--- a/slide aula invertida atualizado(2).pptx
+++ b/slide aula invertida atualizado(2).pptx
@@ -1,40 +1,40 @@
 
 <file path=ppt/presentation.xml><?xml version="1.0" encoding="utf-8"?>
-<p:presentation xmlns:p="http://schemas.openxmlformats.org/presentationml/2006/main" xmlns:mc="http://schemas.openxmlformats.org/markup-compatibility/2006" xmlns:p14="http://schemas.microsoft.com/office/powerpoint/2010/main" xmlns:p15="http://schemas.microsoft.com/office/powerpoint/2012/main" xmlns:r="http://schemas.openxmlformats.org/officeDocument/2006/relationships" xmlns:a="http://schemas.openxmlformats.org/drawingml/2006/main">
+<p:presentation xmlns:a="http://schemas.openxmlformats.org/drawingml/2006/main" xmlns:r="http://schemas.openxmlformats.org/officeDocument/2006/relationships" xmlns:p="http://schemas.openxmlformats.org/presentationml/2006/main">
   <p:sldMasterIdLst>
-    <p:sldMasterId id="2147483648" r:id="rId5"/>
-    <p:sldMasterId id="2147483661" r:id="rId6"/>
-    <p:sldMasterId id="2147483674" r:id="rId7"/>
-    <p:sldMasterId id="2147483687" r:id="rId8"/>
+    <p:sldMasterId id="2147483648" r:id="rId1"/>
+    <p:sldMasterId id="2147483661" r:id="rId2"/>
+    <p:sldMasterId id="2147483674" r:id="rId3"/>
+    <p:sldMasterId id="2147483687" r:id="rId4"/>
   </p:sldMasterIdLst>
   <p:sldIdLst>
-    <p:sldId id="256" r:id="rId9"/>
-    <p:sldId id="257" r:id="rId10"/>
-    <p:sldId id="282" r:id="rId11"/>
-    <p:sldId id="281" r:id="rId12"/>
-    <p:sldId id="258" r:id="rId13"/>
-    <p:sldId id="259" r:id="rId14"/>
-    <p:sldId id="260" r:id="rId15"/>
-    <p:sldId id="261" r:id="rId16"/>
-    <p:sldId id="262" r:id="rId17"/>
-    <p:sldId id="263" r:id="rId18"/>
-    <p:sldId id="264" r:id="rId19"/>
-    <p:sldId id="265" r:id="rId20"/>
-    <p:sldId id="266" r:id="rId21"/>
-    <p:sldId id="267" r:id="rId22"/>
-    <p:sldId id="268" r:id="rId23"/>
-    <p:sldId id="269" r:id="rId24"/>
-    <p:sldId id="270" r:id="rId25"/>
-    <p:sldId id="271" r:id="rId26"/>
-    <p:sldId id="272" r:id="rId27"/>
-    <p:sldId id="273" r:id="rId28"/>
-    <p:sldId id="274" r:id="rId29"/>
-    <p:sldId id="275" r:id="rId30"/>
-    <p:sldId id="276" r:id="rId31"/>
-    <p:sldId id="277" r:id="rId32"/>
-    <p:sldId id="278" r:id="rId33"/>
-    <p:sldId id="279" r:id="rId34"/>
-    <p:sldId id="280" r:id="rId35"/>
+    <p:sldId id="256" r:id="rId5"/>
+    <p:sldId id="257" r:id="rId6"/>
+    <p:sldId id="282" r:id="rId7"/>
+    <p:sldId id="281" r:id="rId8"/>
+    <p:sldId id="258" r:id="rId9"/>
+    <p:sldId id="259" r:id="rId10"/>
+    <p:sldId id="260" r:id="rId11"/>
+    <p:sldId id="261" r:id="rId12"/>
+    <p:sldId id="262" r:id="rId13"/>
+    <p:sldId id="263" r:id="rId14"/>
+    <p:sldId id="264" r:id="rId15"/>
+    <p:sldId id="265" r:id="rId16"/>
+    <p:sldId id="266" r:id="rId17"/>
+    <p:sldId id="267" r:id="rId18"/>
+    <p:sldId id="268" r:id="rId19"/>
+    <p:sldId id="269" r:id="rId20"/>
+    <p:sldId id="270" r:id="rId21"/>
+    <p:sldId id="271" r:id="rId22"/>
+    <p:sldId id="272" r:id="rId23"/>
+    <p:sldId id="273" r:id="rId24"/>
+    <p:sldId id="274" r:id="rId25"/>
+    <p:sldId id="275" r:id="rId26"/>
+    <p:sldId id="276" r:id="rId27"/>
+    <p:sldId id="277" r:id="rId28"/>
+    <p:sldId id="278" r:id="rId29"/>
+    <p:sldId id="279" r:id="rId30"/>
+    <p:sldId id="280" r:id="rId31"/>
   </p:sldIdLst>
   <p:sldSz cx="12192000" cy="6858000"/>
   <p:notesSz cx="7772400" cy="10058400"/>
@@ -57,8 +57,8 @@
         </a:solidFill>
         <a:effectLst/>
         <a:latin typeface="Arial" pitchFamily="2" charset="0"/>
-        <a:ea typeface="DejaVu Sans" pitchFamily="0" charset="0"/>
-        <a:cs typeface="DejaVu Sans" pitchFamily="0" charset="0"/>
+        <a:ea typeface="DejaVu Sans" charset="0"/>
+        <a:cs typeface="DejaVu Sans" charset="0"/>
       </a:defRPr>
     </a:lvl1pPr>
     <a:lvl2pPr marL="457200" marR="0" indent="0" algn="l" defTabSz="914400">
@@ -79,8 +79,8 @@
         </a:solidFill>
         <a:effectLst/>
         <a:latin typeface="Arial" pitchFamily="2" charset="0"/>
-        <a:ea typeface="DejaVu Sans" pitchFamily="0" charset="0"/>
-        <a:cs typeface="DejaVu Sans" pitchFamily="0" charset="0"/>
+        <a:ea typeface="DejaVu Sans" charset="0"/>
+        <a:cs typeface="DejaVu Sans" charset="0"/>
       </a:defRPr>
     </a:lvl2pPr>
     <a:lvl3pPr marL="914400" marR="0" indent="0" algn="l" defTabSz="914400">
@@ -101,8 +101,8 @@
         </a:solidFill>
         <a:effectLst/>
         <a:latin typeface="Arial" pitchFamily="2" charset="0"/>
-        <a:ea typeface="DejaVu Sans" pitchFamily="0" charset="0"/>
-        <a:cs typeface="DejaVu Sans" pitchFamily="0" charset="0"/>
+        <a:ea typeface="DejaVu Sans" charset="0"/>
+        <a:cs typeface="DejaVu Sans" charset="0"/>
       </a:defRPr>
     </a:lvl3pPr>
     <a:lvl4pPr marL="1371600" marR="0" indent="0" algn="l" defTabSz="914400">
@@ -123,8 +123,8 @@
         </a:solidFill>
         <a:effectLst/>
         <a:latin typeface="Arial" pitchFamily="2" charset="0"/>
-        <a:ea typeface="DejaVu Sans" pitchFamily="0" charset="0"/>
-        <a:cs typeface="DejaVu Sans" pitchFamily="0" charset="0"/>
+        <a:ea typeface="DejaVu Sans" charset="0"/>
+        <a:cs typeface="DejaVu Sans" charset="0"/>
       </a:defRPr>
     </a:lvl4pPr>
     <a:lvl5pPr marL="1828800" marR="0" indent="0" algn="l" defTabSz="914400">
@@ -145,8 +145,8 @@
         </a:solidFill>
         <a:effectLst/>
         <a:latin typeface="Arial" pitchFamily="2" charset="0"/>
-        <a:ea typeface="DejaVu Sans" pitchFamily="0" charset="0"/>
-        <a:cs typeface="DejaVu Sans" pitchFamily="0" charset="0"/>
+        <a:ea typeface="DejaVu Sans" charset="0"/>
+        <a:cs typeface="DejaVu Sans" charset="0"/>
       </a:defRPr>
     </a:lvl5pPr>
     <a:lvl6pPr marL="2286000" marR="0" indent="0" algn="l" defTabSz="914400">
@@ -167,8 +167,8 @@
         </a:solidFill>
         <a:effectLst/>
         <a:latin typeface="Arial" pitchFamily="2" charset="0"/>
-        <a:ea typeface="DejaVu Sans" pitchFamily="0" charset="0"/>
-        <a:cs typeface="DejaVu Sans" pitchFamily="0" charset="0"/>
+        <a:ea typeface="DejaVu Sans" charset="0"/>
+        <a:cs typeface="DejaVu Sans" charset="0"/>
       </a:defRPr>
     </a:lvl6pPr>
     <a:lvl7pPr marL="2743200" marR="0" indent="0" algn="l" defTabSz="914400">
@@ -189,8 +189,8 @@
         </a:solidFill>
         <a:effectLst/>
         <a:latin typeface="Arial" pitchFamily="2" charset="0"/>
-        <a:ea typeface="DejaVu Sans" pitchFamily="0" charset="0"/>
-        <a:cs typeface="DejaVu Sans" pitchFamily="0" charset="0"/>
+        <a:ea typeface="DejaVu Sans" charset="0"/>
+        <a:cs typeface="DejaVu Sans" charset="0"/>
       </a:defRPr>
     </a:lvl7pPr>
     <a:lvl8pPr marL="3200400" marR="0" indent="0" algn="l" defTabSz="914400">
@@ -211,8 +211,8 @@
         </a:solidFill>
         <a:effectLst/>
         <a:latin typeface="Arial" pitchFamily="2" charset="0"/>
-        <a:ea typeface="DejaVu Sans" pitchFamily="0" charset="0"/>
-        <a:cs typeface="DejaVu Sans" pitchFamily="0" charset="0"/>
+        <a:ea typeface="DejaVu Sans" charset="0"/>
+        <a:cs typeface="DejaVu Sans" charset="0"/>
       </a:defRPr>
     </a:lvl8pPr>
     <a:lvl9pPr marL="3657600" marR="0" indent="0" algn="l" defTabSz="914400">
@@ -233,16 +233,24 @@
         </a:solidFill>
         <a:effectLst/>
         <a:latin typeface="Arial" pitchFamily="2" charset="0"/>
-        <a:ea typeface="DejaVu Sans" pitchFamily="0" charset="0"/>
-        <a:cs typeface="DejaVu Sans" pitchFamily="0" charset="0"/>
+        <a:ea typeface="DejaVu Sans" charset="0"/>
+        <a:cs typeface="DejaVu Sans" charset="0"/>
       </a:defRPr>
     </a:lvl9pPr>
   </p:defaultTextStyle>
+  <p:extLst>
+    <p:ext uri="{EFAFB233-063F-42B5-8137-9DF3F51BA10A}">
+      <p15:sldGuideLst xmlns:p15="http://schemas.microsoft.com/office/powerpoint/2012/main"/>
+    </p:ext>
+    <p:ext uri="{2D200454-40CA-4A62-9FC3-DE9A4176ACB9}">
+      <p15:notesGuideLst xmlns:p15="http://schemas.microsoft.com/office/powerpoint/2012/main"/>
+    </p:ext>
+  </p:extLst>
 </p:presentation>
 </file>
 
 <file path=ppt/slideLayouts/slideLayout1.xml><?xml version="1.0" encoding="utf-8"?>
-<p:sldLayout xmlns:p="http://schemas.openxmlformats.org/presentationml/2006/main" xmlns:mc="http://schemas.openxmlformats.org/markup-compatibility/2006" xmlns:p14="http://schemas.microsoft.com/office/powerpoint/2010/main" xmlns:p15="http://schemas.microsoft.com/office/powerpoint/2012/main" xmlns:r="http://schemas.openxmlformats.org/officeDocument/2006/relationships" xmlns:a="http://schemas.openxmlformats.org/drawingml/2006/main" type="blank" preserve="1">
+<p:sldLayout xmlns:a="http://schemas.openxmlformats.org/drawingml/2006/main" xmlns:r="http://schemas.openxmlformats.org/officeDocument/2006/relationships" xmlns:p="http://schemas.openxmlformats.org/presentationml/2006/main" type="blank" preserve="1">
   <p:cSld name="Blank Slide">
     <p:spTree>
       <p:nvGrpSpPr>
@@ -267,7 +275,7 @@
 </file>
 
 <file path=ppt/slideLayouts/slideLayout10.xml><?xml version="1.0" encoding="utf-8"?>
-<p:sldLayout xmlns:p="http://schemas.openxmlformats.org/presentationml/2006/main" xmlns:mc="http://schemas.openxmlformats.org/markup-compatibility/2006" xmlns:p14="http://schemas.microsoft.com/office/powerpoint/2010/main" xmlns:p15="http://schemas.microsoft.com/office/powerpoint/2012/main" xmlns:r="http://schemas.openxmlformats.org/officeDocument/2006/relationships" xmlns:a="http://schemas.openxmlformats.org/drawingml/2006/main" type="objOverTx" preserve="1">
+<p:sldLayout xmlns:a="http://schemas.openxmlformats.org/drawingml/2006/main" xmlns:r="http://schemas.openxmlformats.org/officeDocument/2006/relationships" xmlns:p="http://schemas.openxmlformats.org/presentationml/2006/main" type="objOverTx" preserve="1">
   <p:cSld name="Title, Content over Content">
     <p:spTree>
       <p:nvGrpSpPr>
@@ -290,7 +298,7 @@
             <a:spLocks noGrp="1" noChangeArrowheads="1"/>
             <a:extLst>
               <a:ext uri="smNativeData">
-                <pr:smNativeData xmlns:pr="smNativeData" xmlns="smNativeData" val="SMDATA_15_q5OGZBMAAAAlAAAAZAAAAA0AAAAAAAAAAAAAAAAAAAAAAAAAAAAAAAABAAAAAAAAAAEAAABQAAAAAAAAAAAA4D8AAAAAAADgPwAAAAAAAOA/AAAAAAAA4D8AAAAAAADgPwAAAAAAAOA/AAAAAAAA4D8AAAAAAADgPwAAAAAAAOA/AAAAAAAA4D8CAAAAjAAAAAAAAAAAAAAARHLEDP///wgAAAAAAAAAAAAAAAAAAAAAAAAAAAAAAAAAAAAAZAAAAAEAAABAAAAAAAAAAAAAAAAAAAAAAAAAAAAAAAAAAAAAAAAAAAAAAAAAAAAAAAAAAAAAAAAAAAAAAAAAAAAAAAAAAAAAAAAAAAAAAAAAAAAAAAAAAAAAAAAAAAAAFAAAADwAAAAAAAAAAAAAAAAAAAkUAAAAAQAAABQAAAAUAAAAFAAAAAEAAAAAAAAAZAAAAGQAAAAAAAAAZAAAAGQAAAAVAAAAYAAAAAAAAAAAAAAADwAAACADAAAAAAAAAAAAAAEAAACgMgAAVgcAAKr4//8BAAAAf39/AAEAAABkAAAAAAAAABQAAABAHwAAAAAAACYAAAAAAAAAwOD//wAAAAAmAAAAZAAAABYAAABMAAAAAAAAAAAAAAAEAAAAAAAAAAEAAADn5uYKAAAAACgAAAAoAAAAZAAAAGQAAAAAAAAAzMzMAAAAAABQAAAAUAAAAGQAAABkAAAAAAAAABcAAAAUAAAAAAAAAAAAAAD/fwAA/38AAAAAAAAJAAAABAAAAAAAAAAeAAAAaAAAAAAAAAAAAAAAAAAAAAAAAAAAAAAAECcAABAnAAAAAAAAAAAAAAAAAAAAAAAAAAAAAAAAAAAAAAAAAAAAABQAAAAAAAAAwMD/AAAAAABkAAAAMgAAAAAAAABkAAAAAAAAAH9/fwAKAAAAIgAAABgAAAAAAAAAAAAAAAAAAAAAAAAAAAAAAAAAAAAkAAAAJAAAAAAAAAAHAAAAAAAAAAAAAAAAAAAAAAAAAAAAAAAAAAAAf39/ACUAAABYAAAAAAAAAAAAAAAAAAAAAAAAAAAAAAAAAAAAAAAAAAAAAAAAAAAAAAAAAAAAAAA/AAAAAAAAAKCGAQAAAAAAAAAAAAAAAAAMAAAAAQAAAAAAAAAAAAAAAAAAAB8AAABUAAAAAAAABQAAAAEAAAAAAAAAAAAAAAAAAAAAAAAAAAAAAAAAAAAAAAAAAAAAAAJ/f38AAAAAA8zMzADAwP8Af39/AAAAAAAAAAAAAAAAAAAAAAAAAAAAIQAAABgAAAAUAAAAwAMAAK8BAAA/RwAAuggAABAAAAAmAAAACAAAAD0gAAAAAAAA"/>
+                <pr:smNativeData xmlns="smNativeData" xmlns:pr="smNativeData" xmlns:p15="http://schemas.microsoft.com/office/powerpoint/2012/main" xmlns:p14="http://schemas.microsoft.com/office/powerpoint/2010/main" xmlns:mc="http://schemas.openxmlformats.org/markup-compatibility/2006" val="SMDATA_15_q5OGZBMAAAAlAAAAZAAAAA0AAAAAAAAAAAAAAAAAAAAAAAAAAAAAAAABAAAAAAAAAAEAAABQAAAAAAAAAAAA4D8AAAAAAADgPwAAAAAAAOA/AAAAAAAA4D8AAAAAAADgPwAAAAAAAOA/AAAAAAAA4D8AAAAAAADgPwAAAAAAAOA/AAAAAAAA4D8CAAAAjAAAAAAAAAAAAAAARHLEDP///wgAAAAAAAAAAAAAAAAAAAAAAAAAAAAAAAAAAAAAZAAAAAEAAABAAAAAAAAAAAAAAAAAAAAAAAAAAAAAAAAAAAAAAAAAAAAAAAAAAAAAAAAAAAAAAAAAAAAAAAAAAAAAAAAAAAAAAAAAAAAAAAAAAAAAAAAAAAAAAAAAAAAAFAAAADwAAAAAAAAAAAAAAAAAAAkUAAAAAQAAABQAAAAUAAAAFAAAAAEAAAAAAAAAZAAAAGQAAAAAAAAAZAAAAGQAAAAVAAAAYAAAAAAAAAAAAAAADwAAACADAAAAAAAAAAAAAAEAAACgMgAAVgcAAKr4//8BAAAAf39/AAEAAABkAAAAAAAAABQAAABAHwAAAAAAACYAAAAAAAAAwOD//wAAAAAmAAAAZAAAABYAAABMAAAAAAAAAAAAAAAEAAAAAAAAAAEAAADn5uYKAAAAACgAAAAoAAAAZAAAAGQAAAAAAAAAzMzMAAAAAABQAAAAUAAAAGQAAABkAAAAAAAAABcAAAAUAAAAAAAAAAAAAAD/fwAA/38AAAAAAAAJAAAABAAAAAAAAAAeAAAAaAAAAAAAAAAAAAAAAAAAAAAAAAAAAAAAECcAABAnAAAAAAAAAAAAAAAAAAAAAAAAAAAAAAAAAAAAAAAAAAAAABQAAAAAAAAAwMD/AAAAAABkAAAAMgAAAAAAAABkAAAAAAAAAH9/fwAKAAAAIgAAABgAAAAAAAAAAAAAAAAAAAAAAAAAAAAAAAAAAAAkAAAAJAAAAAAAAAAHAAAAAAAAAAAAAAAAAAAAAAAAAAAAAAAAAAAAf39/ACUAAABYAAAAAAAAAAAAAAAAAAAAAAAAAAAAAAAAAAAAAAAAAAAAAAAAAAAAAAAAAAAAAAA/AAAAAAAAAKCGAQAAAAAAAAAAAAAAAAAMAAAAAQAAAAAAAAAAAAAAAAAAAB8AAABUAAAAAAAABQAAAAEAAAAAAAAAAAAAAAAAAAAAAAAAAAAAAAAAAAAAAAAAAAAAAAJ/f38AAAAAA8zMzADAwP8Af39/AAAAAAAAAAAAAAAAAAAAAAAAAAAAIQAAABgAAAAUAAAAwAMAAK8BAAA/RwAAuggAABAAAAAmAAAACAAAAD0gAAAAAAAA"/>
               </a:ext>
             </a:extLst>
           </p:cNvSpPr>
@@ -326,7 +334,7 @@
             <a:spLocks noGrp="1" noChangeArrowheads="1"/>
             <a:extLst>
               <a:ext uri="smNativeData">
-                <pr:smNativeData xmlns:pr="smNativeData" xmlns="smNativeData" val="SMDATA_15_q5OGZBMAAAAlAAAAZAAAAA0AAAAAAAAAAAAAAAAAAAAAAAAAAAAAAAAAAAAAAAAAAAEAAABQAAAAAAAAAAAA4D8AAAAAAADgPwAAAAAAAOA/AAAAAAAA4D8AAAAAAADgPwAAAAAAAOA/AAAAAAAA4D8AAAAAAADgPwAAAAAAAOA/AAAAAAAA4D8CAAAAjAAAAAAAAAAAAAAARHLEDP///wgAAAAAAAAAAAAAAAAAAAAAAAAAAAAAAAAAAAAAZAAAAAEAAABAAAAAAAAAAAAAAAAAAAAAAAAAAAAAAAAAAAAAAAAAAAAAAAAAAAAAAAAAAAAAAAAAAAAAAAAAAAAAAAAAAAAAAAAAAAAAAAAAAAAAAAAAAAAAAAAAAAAAFAAAADwAAAAAAAAAAAAAAAAAAAkUAAAAAQAAABQAAAAUAAAAFAAAAAEAAAAAAAAAZAAAAGQAAAAAAAAAZAAAAGQAAAAVAAAAYAAAAAAAAAAAAAAADwAAACADAAAAAAAAAAAAAAEAAACgMgAAVgcAAKr4//8BAAAAf39/AAEAAABkAAAAAAAAABQAAABAHwAAAAAAACYAAAAAAAAAwOD//wAAAAAmAAAAZAAAABYAAABMAAAAAAAAAAAAAAAEAAAAAAAAAAEAAADn5uYKAAAAACgAAAAoAAAAZAAAAGQAAAAAAAAAzMzMAAAAAABQAAAAUAAAAGQAAABkAAAAAAAAABcAAAAUAAAAAAAAAAAAAAD/fwAA/38AAAAAAAAJAAAABAAAAMIAAAAeAAAAaAAAAAAAAAAAAAAAAAAAAAAAAAAAAAAAECcAABAnAAAAAAAAAAAAAAAAAAAAAAAAAAAAAAAAAAAAAAAAAAAAABQAAAAAAAAAwMD/AAAAAABkAAAAMgAAAAAAAABkAAAAAAAAAH9/fwAKAAAAIgAAABgAAAAAAAAAAAAAAAAAAAAAAAAAAAAAAAAAAAAkAAAAJAAAAAAAAAAHAAAAAAAAAAAAAAAAAAAAAAAAAAAAAAAAAAAAf39/ACUAAABYAAAAAAAAAAAAAAAAAAAAAAAAAAAAAAAAAAAAAAAAAAAAAAAAAAAAAAAAAAAAAAA/AAAAAAAAAKCGAQAAAAAAAAAAAAAAAAAMAAAAAQAAAAAAAAAAAAAAAAAAAB8AAABUAAAAAAAABQAAAAEAAAAAAAAAAAAAAAAAAAAAAAAAAAAAAAAAAAAAAAAAAAAAAAJ/f38AAAAAA8zMzADAwP8Af39/AAAAAAAAAAAAAAAAAAAAAAAAAAAAIQAAABgAAAAUAAAAwAMAAN8JAAA/RwAAihUAABAAAAAmAAAACAAAAD0gAAAAAAAA"/>
+                <pr:smNativeData xmlns="smNativeData" xmlns:pr="smNativeData" xmlns:p15="http://schemas.microsoft.com/office/powerpoint/2012/main" xmlns:p14="http://schemas.microsoft.com/office/powerpoint/2010/main" xmlns:mc="http://schemas.openxmlformats.org/markup-compatibility/2006" val="SMDATA_15_q5OGZBMAAAAlAAAAZAAAAA0AAAAAAAAAAAAAAAAAAAAAAAAAAAAAAAAAAAAAAAAAAAEAAABQAAAAAAAAAAAA4D8AAAAAAADgPwAAAAAAAOA/AAAAAAAA4D8AAAAAAADgPwAAAAAAAOA/AAAAAAAA4D8AAAAAAADgPwAAAAAAAOA/AAAAAAAA4D8CAAAAjAAAAAAAAAAAAAAARHLEDP///wgAAAAAAAAAAAAAAAAAAAAAAAAAAAAAAAAAAAAAZAAAAAEAAABAAAAAAAAAAAAAAAAAAAAAAAAAAAAAAAAAAAAAAAAAAAAAAAAAAAAAAAAAAAAAAAAAAAAAAAAAAAAAAAAAAAAAAAAAAAAAAAAAAAAAAAAAAAAAAAAAAAAAFAAAADwAAAAAAAAAAAAAAAAAAAkUAAAAAQAAABQAAAAUAAAAFAAAAAEAAAAAAAAAZAAAAGQAAAAAAAAAZAAAAGQAAAAVAAAAYAAAAAAAAAAAAAAADwAAACADAAAAAAAAAAAAAAEAAACgMgAAVgcAAKr4//8BAAAAf39/AAEAAABkAAAAAAAAABQAAABAHwAAAAAAACYAAAAAAAAAwOD//wAAAAAmAAAAZAAAABYAAABMAAAAAAAAAAAAAAAEAAAAAAAAAAEAAADn5uYKAAAAACgAAAAoAAAAZAAAAGQAAAAAAAAAzMzMAAAAAABQAAAAUAAAAGQAAABkAAAAAAAAABcAAAAUAAAAAAAAAAAAAAD/fwAA/38AAAAAAAAJAAAABAAAAMIAAAAeAAAAaAAAAAAAAAAAAAAAAAAAAAAAAAAAAAAAECcAABAnAAAAAAAAAAAAAAAAAAAAAAAAAAAAAAAAAAAAAAAAAAAAABQAAAAAAAAAwMD/AAAAAABkAAAAMgAAAAAAAABkAAAAAAAAAH9/fwAKAAAAIgAAABgAAAAAAAAAAAAAAAAAAAAAAAAAAAAAAAAAAAAkAAAAJAAAAAAAAAAHAAAAAAAAAAAAAAAAAAAAAAAAAAAAAAAAAAAAf39/ACUAAABYAAAAAAAAAAAAAAAAAAAAAAAAAAAAAAAAAAAAAAAAAAAAAAAAAAAAAAAAAAAAAAA/AAAAAAAAAKCGAQAAAAAAAAAAAAAAAAAMAAAAAQAAAAAAAAAAAAAAAAAAAB8AAABUAAAAAAAABQAAAAEAAAAAAAAAAAAAAAAAAAAAAAAAAAAAAAAAAAAAAAAAAAAAAAJ/f38AAAAAA8zMzADAwP8Af39/AAAAAAAAAAAAAAAAAAAAAAAAAAAAIQAAABgAAAAUAAAAwAMAAN8JAAA/RwAAihUAABAAAAAmAAAACAAAAD0gAAAAAAAA"/>
               </a:ext>
             </a:extLst>
           </p:cNvSpPr>
@@ -362,7 +370,7 @@
             <a:spLocks noGrp="1" noChangeArrowheads="1"/>
             <a:extLst>
               <a:ext uri="smNativeData">
-                <pr:smNativeData xmlns:pr="smNativeData" xmlns="smNativeData" val="SMDATA_15_q5OGZBMAAAAlAAAAZAAAAA0AAAAAAAAAAAAAAAAAAAAAAAAAAAAAAAAAAAAAAAAAAAEAAABQAAAAAAAAAAAA4D8AAAAAAADgPwAAAAAAAOA/AAAAAAAA4D8AAAAAAADgPwAAAAAAAOA/AAAAAAAA4D8AAAAAAADgPwAAAAAAAOA/AAAAAAAA4D8CAAAAjAAAAAAAAAAAAAAARHLEDP///wgAAAAAAAAAAAAAAAAAAAAAAAAAAAAAAAAAAAAAZAAAAAEAAABAAAAAAAAAAAAAAAAAAAAAAAAAAAAAAAAAAAAAAAAAAAAAAAAAAAAAAAAAAAAAAAAAAAAAAAAAAAAAAAAAAAAAAAAAAAAAAAAAAAAAAAAAAAAAAAAAAAAAFAAAADwAAAAAAAAAAAAAAAAAAAkUAAAAAQAAABQAAAAUAAAAFAAAAAEAAAAAAAAAZAAAAGQAAAAAAAAAZAAAAGQAAAAVAAAAYAAAAAAAAAAAAAAADwAAACADAAAAAAAAAAAAAAEAAACgMgAAVgcAAKr4//8BAAAAf39/AAEAAABkAAAAAAAAABQAAABAHwAAAAAAACYAAAAAAAAAwOD//wAAAAAmAAAAZAAAABYAAABMAAAAAAAAAAAAAAAEAAAAAAAAAAEAAADn5uYKAAAAACgAAAAoAAAAZAAAAGQAAAAAAAAAzMzMAAAAAABQAAAAUAAAAGQAAABkAAAAAAAAABcAAAAUAAAAAAAAAAAAAAD/fwAA/38AAAAAAAAJAAAABAAAAAAAAAAeAAAAaAAAAAAAAAAAAAAAAAAAAAAAAAAAAAAAECcAABAnAAAAAAAAAAAAAAAAAAAAAAAAAAAAAAAAAAAAAAAAAAAAABQAAAAAAAAAwMD/AAAAAABkAAAAMgAAAAAAAABkAAAAAAAAAH9/fwAKAAAAIgAAABgAAAAAAAAAAAAAAAAAAAAAAAAAAAAAAAAAAAAkAAAAJAAAAAAAAAAHAAAAAAAAAAAAAAAAAAAAAAAAAAAAAAAAAAAAf39/ACUAAABYAAAAAAAAAAAAAAAAAAAAAAAAAAAAAAAAAAAAAAAAAAAAAAAAAAAAAAAAAAAAAAA/AAAAAAAAAKCGAQAAAAAAAAAAAAAAAAAMAAAAAQAAAAAAAAAAAAAAAAAAAB8AAABUAAAAAAAABQAAAAEAAAAAAAAAAAAAAAAAAAAAAAAAAAAAAAAAAAAAAAAAAAAAAAJ/f38AAAAAA8zMzADAwP8Af39/AAAAAAAAAAAAAAAAAAAAAAAAAAAAIQAAABgAAAAUAAAAwAMAAKcWAAA/RwAAUiIAABAAAAAmAAAACAAAAD0gAAAAAAAA"/>
+                <pr:smNativeData xmlns="smNativeData" xmlns:pr="smNativeData" xmlns:p15="http://schemas.microsoft.com/office/powerpoint/2012/main" xmlns:p14="http://schemas.microsoft.com/office/powerpoint/2010/main" xmlns:mc="http://schemas.openxmlformats.org/markup-compatibility/2006" val="SMDATA_15_q5OGZBMAAAAlAAAAZAAAAA0AAAAAAAAAAAAAAAAAAAAAAAAAAAAAAAAAAAAAAAAAAAEAAABQAAAAAAAAAAAA4D8AAAAAAADgPwAAAAAAAOA/AAAAAAAA4D8AAAAAAADgPwAAAAAAAOA/AAAAAAAA4D8AAAAAAADgPwAAAAAAAOA/AAAAAAAA4D8CAAAAjAAAAAAAAAAAAAAARHLEDP///wgAAAAAAAAAAAAAAAAAAAAAAAAAAAAAAAAAAAAAZAAAAAEAAABAAAAAAAAAAAAAAAAAAAAAAAAAAAAAAAAAAAAAAAAAAAAAAAAAAAAAAAAAAAAAAAAAAAAAAAAAAAAAAAAAAAAAAAAAAAAAAAAAAAAAAAAAAAAAAAAAAAAAFAAAADwAAAAAAAAAAAAAAAAAAAkUAAAAAQAAABQAAAAUAAAAFAAAAAEAAAAAAAAAZAAAAGQAAAAAAAAAZAAAAGQAAAAVAAAAYAAAAAAAAAAAAAAADwAAACADAAAAAAAAAAAAAAEAAACgMgAAVgcAAKr4//8BAAAAf39/AAEAAABkAAAAAAAAABQAAABAHwAAAAAAACYAAAAAAAAAwOD//wAAAAAmAAAAZAAAABYAAABMAAAAAAAAAAAAAAAEAAAAAAAAAAEAAADn5uYKAAAAACgAAAAoAAAAZAAAAGQAAAAAAAAAzMzMAAAAAABQAAAAUAAAAGQAAABkAAAAAAAAABcAAAAUAAAAAAAAAAAAAAD/fwAA/38AAAAAAAAJAAAABAAAAAAAAAAeAAAAaAAAAAAAAAAAAAAAAAAAAAAAAAAAAAAAECcAABAnAAAAAAAAAAAAAAAAAAAAAAAAAAAAAAAAAAAAAAAAAAAAABQAAAAAAAAAwMD/AAAAAABkAAAAMgAAAAAAAABkAAAAAAAAAH9/fwAKAAAAIgAAABgAAAAAAAAAAAAAAAAAAAAAAAAAAAAAAAAAAAAkAAAAJAAAAAAAAAAHAAAAAAAAAAAAAAAAAAAAAAAAAAAAAAAAAAAAf39/ACUAAABYAAAAAAAAAAAAAAAAAAAAAAAAAAAAAAAAAAAAAAAAAAAAAAAAAAAAAAAAAAAAAAA/AAAAAAAAAKCGAQAAAAAAAAAAAAAAAAAMAAAAAQAAAAAAAAAAAAAAAAAAAB8AAABUAAAAAAAABQAAAAEAAAAAAAAAAAAAAAAAAAAAAAAAAAAAAAAAAAAAAAAAAAAAAAJ/f38AAAAAA8zMzADAwP8Af39/AAAAAAAAAAAAAAAAAAAAAAAAAAAAIQAAABgAAAAUAAAAwAMAAKcWAAA/RwAAUiIAABAAAAAmAAAACAAAAD0gAAAAAAAA"/>
               </a:ext>
             </a:extLst>
           </p:cNvSpPr>
@@ -400,7 +408,7 @@
 </file>
 
 <file path=ppt/slideLayouts/slideLayout11.xml><?xml version="1.0" encoding="utf-8"?>
-<p:sldLayout xmlns:p="http://schemas.openxmlformats.org/presentationml/2006/main" xmlns:mc="http://schemas.openxmlformats.org/markup-compatibility/2006" xmlns:p14="http://schemas.microsoft.com/office/powerpoint/2010/main" xmlns:p15="http://schemas.microsoft.com/office/powerpoint/2012/main" xmlns:r="http://schemas.openxmlformats.org/officeDocument/2006/relationships" xmlns:a="http://schemas.openxmlformats.org/drawingml/2006/main" type="fourObj" preserve="1">
+<p:sldLayout xmlns:a="http://schemas.openxmlformats.org/drawingml/2006/main" xmlns:r="http://schemas.openxmlformats.org/officeDocument/2006/relationships" xmlns:p="http://schemas.openxmlformats.org/presentationml/2006/main" type="fourObj" preserve="1">
   <p:cSld name="Title, 4 Content">
     <p:spTree>
       <p:nvGrpSpPr>
@@ -423,7 +431,7 @@
             <a:spLocks noGrp="1" noChangeArrowheads="1"/>
             <a:extLst>
               <a:ext uri="smNativeData">
-                <pr:smNativeData xmlns:pr="smNativeData" xmlns="smNativeData" val="SMDATA_15_q5OGZBMAAAAlAAAAZAAAAA0AAAAAAAAAAAAAAAAAAAAAAAAAAAAAAAABAAAAAAAAAAEAAABQAAAAAAAAAAAA4D8AAAAAAADgPwAAAAAAAOA/AAAAAAAA4D8AAAAAAADgPwAAAAAAAOA/AAAAAAAA4D8AAAAAAADgPwAAAAAAAOA/AAAAAAAA4D8CAAAAjAAAAAAAAAAAAAAARHLEDP///wgAAAAAAAAAAAAAAAAAAAAAAAAAAAAAAAAAAAAAZAAAAAEAAABAAAAAAAAAAAAAAAAAAAAAAAAAAAAAAAAAAAAAAAAAAAAAAAAAAAAAAAAAAAAAAAAAAAAAAAAAAAAAAAAAAAAAAAAAAAAAAAAAAAAAAAAAAAAAAAAAAAAAFAAAADwAAAAAAAAAAAAAAAAAAAkUAAAAAQAAABQAAAAUAAAAFAAAAAEAAAAAAAAAZAAAAGQAAAAAAAAAZAAAAGQAAAAVAAAAYAAAAAAAAAAAAAAADwAAACADAAAAAAAAAAAAAAEAAACgMgAAVgcAAKr4//8BAAAAf39/AAEAAABkAAAAAAAAABQAAABAHwAAAAAAACYAAAAAAAAAwOD//wAAAAAmAAAAZAAAABYAAABMAAAAAAAAAAAAAAAEAAAAAAAAAAEAAADn5uYKAAAAACgAAAAoAAAAZAAAAGQAAAAAAAAAzMzMAAAAAABQAAAAUAAAAGQAAABkAAAAAAAAABcAAAAUAAAAAAAAAAAAAAD/fwAA/38AAAAAAAAJAAAABAAAAAAAAAAeAAAAaAAAAAAAAAAAAAAAAAAAAAAAAAAAAAAAECcAABAnAAAAAAAAAAAAAAAAAAAAAAAAAAAAAAAAAAAAAAAAAAAAABQAAAAAAAAAwMD/AAAAAABkAAAAMgAAAAAAAABkAAAAAAAAAH9/fwAKAAAAIgAAABgAAAAAAAAAAAAAAAAAAAAAAAAAAAAAAAAAAAAkAAAAJAAAAAAAAAAHAAAAAAAAAAAAAAAAAAAAAAAAAAAAAAAAAAAAf39/ACUAAABYAAAAAAAAAAAAAAAAAAAAAAAAAAAAAAAAAAAAAAAAAAAAAAAAAAAAAAAAAAAAAAA/AAAAAAAAAKCGAQAAAAAAAAAAAAAAAAAMAAAAAQAAAAAAAAAAAAAAAAAAAB8AAABUAAAAAAAABQAAAAEAAAAAAAAAAAAAAAAAAAAAAAAAAAAAAAAAAAAAAAAAAAAAAAJ/f38AAAAAA8zMzADAwP8Af39/AAAAAAAAAAAAAAAAAAAAAAAAAAAAIQAAABgAAAAUAAAAwAMAAK8BAAA/RwAAuggAABAAAAAmAAAACAAAAD0gAAAAAAAA"/>
+                <pr:smNativeData xmlns="smNativeData" xmlns:pr="smNativeData" xmlns:p15="http://schemas.microsoft.com/office/powerpoint/2012/main" xmlns:p14="http://schemas.microsoft.com/office/powerpoint/2010/main" xmlns:mc="http://schemas.openxmlformats.org/markup-compatibility/2006" val="SMDATA_15_q5OGZBMAAAAlAAAAZAAAAA0AAAAAAAAAAAAAAAAAAAAAAAAAAAAAAAABAAAAAAAAAAEAAABQAAAAAAAAAAAA4D8AAAAAAADgPwAAAAAAAOA/AAAAAAAA4D8AAAAAAADgPwAAAAAAAOA/AAAAAAAA4D8AAAAAAADgPwAAAAAAAOA/AAAAAAAA4D8CAAAAjAAAAAAAAAAAAAAARHLEDP///wgAAAAAAAAAAAAAAAAAAAAAAAAAAAAAAAAAAAAAZAAAAAEAAABAAAAAAAAAAAAAAAAAAAAAAAAAAAAAAAAAAAAAAAAAAAAAAAAAAAAAAAAAAAAAAAAAAAAAAAAAAAAAAAAAAAAAAAAAAAAAAAAAAAAAAAAAAAAAAAAAAAAAFAAAADwAAAAAAAAAAAAAAAAAAAkUAAAAAQAAABQAAAAUAAAAFAAAAAEAAAAAAAAAZAAAAGQAAAAAAAAAZAAAAGQAAAAVAAAAYAAAAAAAAAAAAAAADwAAACADAAAAAAAAAAAAAAEAAACgMgAAVgcAAKr4//8BAAAAf39/AAEAAABkAAAAAAAAABQAAABAHwAAAAAAACYAAAAAAAAAwOD//wAAAAAmAAAAZAAAABYAAABMAAAAAAAAAAAAAAAEAAAAAAAAAAEAAADn5uYKAAAAACgAAAAoAAAAZAAAAGQAAAAAAAAAzMzMAAAAAABQAAAAUAAAAGQAAABkAAAAAAAAABcAAAAUAAAAAAAAAAAAAAD/fwAA/38AAAAAAAAJAAAABAAAAAAAAAAeAAAAaAAAAAAAAAAAAAAAAAAAAAAAAAAAAAAAECcAABAnAAAAAAAAAAAAAAAAAAAAAAAAAAAAAAAAAAAAAAAAAAAAABQAAAAAAAAAwMD/AAAAAABkAAAAMgAAAAAAAABkAAAAAAAAAH9/fwAKAAAAIgAAABgAAAAAAAAAAAAAAAAAAAAAAAAAAAAAAAAAAAAkAAAAJAAAAAAAAAAHAAAAAAAAAAAAAAAAAAAAAAAAAAAAAAAAAAAAf39/ACUAAABYAAAAAAAAAAAAAAAAAAAAAAAAAAAAAAAAAAAAAAAAAAAAAAAAAAAAAAAAAAAAAAA/AAAAAAAAAKCGAQAAAAAAAAAAAAAAAAAMAAAAAQAAAAAAAAAAAAAAAAAAAB8AAABUAAAAAAAABQAAAAEAAAAAAAAAAAAAAAAAAAAAAAAAAAAAAAAAAAAAAAAAAAAAAAJ/f38AAAAAA8zMzADAwP8Af39/AAAAAAAAAAAAAAAAAAAAAAAAAAAAIQAAABgAAAAUAAAAwAMAAK8BAAA/RwAAuggAABAAAAAmAAAACAAAAD0gAAAAAAAA"/>
               </a:ext>
             </a:extLst>
           </p:cNvSpPr>
@@ -459,7 +467,7 @@
             <a:spLocks noGrp="1" noChangeArrowheads="1"/>
             <a:extLst>
               <a:ext uri="smNativeData">
-                <pr:smNativeData xmlns:pr="smNativeData" xmlns="smNativeData" val="SMDATA_15_q5OGZBMAAAAlAAAAZAAAAA0AAAAAAAAAAAAAAAAAAAAAAAAAAAAAAAAAAAAAAAAAAAEAAABQAAAAAAAAAAAA4D8AAAAAAADgPwAAAAAAAOA/AAAAAAAA4D8AAAAAAADgPwAAAAAAAOA/AAAAAAAA4D8AAAAAAADgPwAAAAAAAOA/AAAAAAAA4D8CAAAAjAAAAAAAAAAAAAAARHLEDP///wgAAAAAAAAAAAAAAAAAAAAAAAAAAAAAAAAAAAAAZAAAAAEAAABAAAAAAAAAAAAAAAAAAAAAAAAAAAAAAAAAAAAAAAAAAAAAAAAAAAAAAAAAAAAAAAAAAAAAAAAAAAAAAAAAAAAAAAAAAAAAAAAAAAAAAAAAAAAAAAAAAAAAFAAAADwAAAAAAAAAAAAAAAAAAAkUAAAAAQAAABQAAAAUAAAAFAAAAAEAAAAAAAAAZAAAAGQAAAAAAAAAZAAAAGQAAAAVAAAAYAAAAAAAAAAAAAAADwAAACADAAAAAAAAAAAAAAEAAACgMgAAVgcAAKr4//8BAAAAf39/AAEAAABkAAAAAAAAABQAAABAHwAAAAAAACYAAAAAAAAAwOD//wAAAAAmAAAAZAAAABYAAABMAAAAAAAAAAAAAAAEAAAAAAAAAAEAAADn5uYKAAAAACgAAAAoAAAAZAAAAGQAAAAAAAAAzMzMAAAAAABQAAAAUAAAAGQAAABkAAAAAAAAABcAAAAUAAAAAAAAAAAAAAD/fwAA/38AAAAAAAAJAAAABAAAAAAAAAAeAAAAaAAAAAAAAAAAAAAAAAAAAAAAAAAAAAAAECcAABAnAAAAAAAAAAAAAAAAAAAAAAAAAAAAAAAAAAAAAAAAAAAAABQAAAAAAAAAwMD/AAAAAABkAAAAMgAAAAAAAABkAAAAAAAAAH9/fwAKAAAAIgAAABgAAAAAAAAAAAAAAAAAAAAAAAAAAAAAAAAAAAAkAAAAJAAAAAAAAAAHAAAAAAAAAAAAAAAAAAAAAAAAAAAAAAAAAAAAf39/ACUAAABYAAAAAAAAAAAAAAAAAAAAAAAAAAAAAAAAAAAAAAAAAAAAAAAAAAAAAAAAAAAAAAA/AAAAAAAAAKCGAQAAAAAAAAAAAAAAAAAMAAAAAQAAAAAAAAAAAAAAAAAAAB8AAABUAAAAAAAABQAAAAEAAAAAAAAAAAAAAAAAAAAAAAAAAAAAAAAAAAAAAAAAAAAAAAJ/f38AAAAAA8zMzADAwP8Af39/AAAAAAAAAAAAAAAAAAAAAAAAAAAAIQAAABgAAAAUAAAAwAMAAN8JAACwJAAAihUAABAAAAAmAAAACAAAAD0gAAAAAAAA"/>
+                <pr:smNativeData xmlns="smNativeData" xmlns:pr="smNativeData" xmlns:p15="http://schemas.microsoft.com/office/powerpoint/2012/main" xmlns:p14="http://schemas.microsoft.com/office/powerpoint/2010/main" xmlns:mc="http://schemas.openxmlformats.org/markup-compatibility/2006" val="SMDATA_15_q5OGZBMAAAAlAAAAZAAAAA0AAAAAAAAAAAAAAAAAAAAAAAAAAAAAAAAAAAAAAAAAAAEAAABQAAAAAAAAAAAA4D8AAAAAAADgPwAAAAAAAOA/AAAAAAAA4D8AAAAAAADgPwAAAAAAAOA/AAAAAAAA4D8AAAAAAADgPwAAAAAAAOA/AAAAAAAA4D8CAAAAjAAAAAAAAAAAAAAARHLEDP///wgAAAAAAAAAAAAAAAAAAAAAAAAAAAAAAAAAAAAAZAAAAAEAAABAAAAAAAAAAAAAAAAAAAAAAAAAAAAAAAAAAAAAAAAAAAAAAAAAAAAAAAAAAAAAAAAAAAAAAAAAAAAAAAAAAAAAAAAAAAAAAAAAAAAAAAAAAAAAAAAAAAAAFAAAADwAAAAAAAAAAAAAAAAAAAkUAAAAAQAAABQAAAAUAAAAFAAAAAEAAAAAAAAAZAAAAGQAAAAAAAAAZAAAAGQAAAAVAAAAYAAAAAAAAAAAAAAADwAAACADAAAAAAAAAAAAAAEAAACgMgAAVgcAAKr4//8BAAAAf39/AAEAAABkAAAAAAAAABQAAABAHwAAAAAAACYAAAAAAAAAwOD//wAAAAAmAAAAZAAAABYAAABMAAAAAAAAAAAAAAAEAAAAAAAAAAEAAADn5uYKAAAAACgAAAAoAAAAZAAAAGQAAAAAAAAAzMzMAAAAAABQAAAAUAAAAGQAAABkAAAAAAAAABcAAAAUAAAAAAAAAAAAAAD/fwAA/38AAAAAAAAJAAAABAAAAAAAAAAeAAAAaAAAAAAAAAAAAAAAAAAAAAAAAAAAAAAAECcAABAnAAAAAAAAAAAAAAAAAAAAAAAAAAAAAAAAAAAAAAAAAAAAABQAAAAAAAAAwMD/AAAAAABkAAAAMgAAAAAAAABkAAAAAAAAAH9/fwAKAAAAIgAAABgAAAAAAAAAAAAAAAAAAAAAAAAAAAAAAAAAAAAkAAAAJAAAAAAAAAAHAAAAAAAAAAAAAAAAAAAAAAAAAAAAAAAAAAAAf39/ACUAAABYAAAAAAAAAAAAAAAAAAAAAAAAAAAAAAAAAAAAAAAAAAAAAAAAAAAAAAAAAAAAAAA/AAAAAAAAAKCGAQAAAAAAAAAAAAAAAAAMAAAAAQAAAAAAAAAAAAAAAAAAAB8AAABUAAAAAAAABQAAAAEAAAAAAAAAAAAAAAAAAAAAAAAAAAAAAAAAAAAAAAAAAAAAAAJ/f38AAAAAA8zMzADAwP8Af39/AAAAAAAAAAAAAAAAAAAAAAAAAAAAIQAAABgAAAAUAAAAwAMAAN8JAACwJAAAihUAABAAAAAmAAAACAAAAD0gAAAAAAAA"/>
               </a:ext>
             </a:extLst>
           </p:cNvSpPr>
@@ -495,7 +503,7 @@
             <a:spLocks noGrp="1" noChangeArrowheads="1"/>
             <a:extLst>
               <a:ext uri="smNativeData">
-                <pr:smNativeData xmlns:pr="smNativeData" xmlns="smNativeData" val="SMDATA_15_q5OGZBMAAAAlAAAAZAAAAA0AAAAAAAAAAAAAAAAAAAAAAAAAAAAAAAAAAAAAAAAAAAEAAABQAAAAAAAAAAAA4D8AAAAAAADgPwAAAAAAAOA/AAAAAAAA4D8AAAAAAADgPwAAAAAAAOA/AAAAAAAA4D8AAAAAAADgPwAAAAAAAOA/AAAAAAAA4D8CAAAAjAAAAAAAAAAAAAAARHLEDP///wgAAAAAAAAAAAAAAAAAAAAAAAAAAAAAAAAAAAAAZAAAAAEAAABAAAAAAAAAAAAAAAAAAAAAAAAAAAAAAAAAAAAAAAAAAAAAAAAAAAAAAAAAAAAAAAAAAAAAAAAAAAAAAAAAAAAAAAAAAAAAAAAAAAAAAAAAAAAAAAAAAAAAFAAAADwAAAAAAAAAAAAAAAAAAAkUAAAAAQAAABQAAAAUAAAAFAAAAAEAAAAAAAAAZAAAAGQAAAAAAAAAZAAAAGQAAAAVAAAAYAAAAAAAAAAAAAAADwAAACADAAAAAAAAAAAAAAEAAACgMgAAVgcAAKr4//8BAAAAf39/AAEAAABkAAAAAAAAABQAAABAHwAAAAAAACYAAAAAAAAAwOD//wAAAAAmAAAAZAAAABYAAABMAAAAAAAAAAAAAAAEAAAAAAAAAAEAAADn5uYKAAAAACgAAAAoAAAAZAAAAGQAAAAAAAAAzMzMAAAAAABQAAAAUAAAAGQAAABkAAAAAAAAABcAAAAUAAAAAAAAAAAAAAD/fwAA/38AAAAAAAAJAAAABAAAAF8AYAAeAAAAaAAAAAAAAAAAAAAAAAAAAAAAAAAAAAAAECcAABAnAAAAAAAAAAAAAAAAAAAAAAAAAAAAAAAAAAAAAAAAAAAAABQAAAAAAAAAwMD/AAAAAABkAAAAMgAAAAAAAABkAAAAAAAAAH9/fwAKAAAAIgAAABgAAAAAAAAAAAAAAAAAAAAAAAAAAAAAAAAAAAAkAAAAJAAAAAAAAAAHAAAAAAAAAAAAAAAAAAAAAAAAAAAAAAAAAAAAf39/ACUAAABYAAAAAAAAAAAAAAAAAAAAAAAAAAAAAAAAAAAAAAAAAAAAAAAAAAAAAAAAAAAAAAA/AAAAAAAAAKCGAQAAAAAAAAAAAAAAAAAMAAAAAQAAAAAAAAAAAAAAAAAAAB8AAABUAAAAAAAABQAAAAEAAAAAAAAAAAAAAAAAAAAAAAAAAAAAAAAAAAAAAAAAAAAAAAJ/f38AAAAAA8zMzADAwP8Af39/AAAAAAAAAAAAAAAAAAAAAAAAAAAAIQAAABgAAAAUAAAAViYAAN8JAABGRwAAihUAABAAAAAmAAAACAAAAD0gAAAAAAAA"/>
+                <pr:smNativeData xmlns="smNativeData" xmlns:pr="smNativeData" xmlns:p15="http://schemas.microsoft.com/office/powerpoint/2012/main" xmlns:p14="http://schemas.microsoft.com/office/powerpoint/2010/main" xmlns:mc="http://schemas.openxmlformats.org/markup-compatibility/2006" val="SMDATA_15_q5OGZBMAAAAlAAAAZAAAAA0AAAAAAAAAAAAAAAAAAAAAAAAAAAAAAAAAAAAAAAAAAAEAAABQAAAAAAAAAAAA4D8AAAAAAADgPwAAAAAAAOA/AAAAAAAA4D8AAAAAAADgPwAAAAAAAOA/AAAAAAAA4D8AAAAAAADgPwAAAAAAAOA/AAAAAAAA4D8CAAAAjAAAAAAAAAAAAAAARHLEDP///wgAAAAAAAAAAAAAAAAAAAAAAAAAAAAAAAAAAAAAZAAAAAEAAABAAAAAAAAAAAAAAAAAAAAAAAAAAAAAAAAAAAAAAAAAAAAAAAAAAAAAAAAAAAAAAAAAAAAAAAAAAAAAAAAAAAAAAAAAAAAAAAAAAAAAAAAAAAAAAAAAAAAAFAAAADwAAAAAAAAAAAAAAAAAAAkUAAAAAQAAABQAAAAUAAAAFAAAAAEAAAAAAAAAZAAAAGQAAAAAAAAAZAAAAGQAAAAVAAAAYAAAAAAAAAAAAAAADwAAACADAAAAAAAAAAAAAAEAAACgMgAAVgcAAKr4//8BAAAAf39/AAEAAABkAAAAAAAAABQAAABAHwAAAAAAACYAAAAAAAAAwOD//wAAAAAmAAAAZAAAABYAAABMAAAAAAAAAAAAAAAEAAAAAAAAAAEAAADn5uYKAAAAACgAAAAoAAAAZAAAAGQAAAAAAAAAzMzMAAAAAABQAAAAUAAAAGQAAABkAAAAAAAAABcAAAAUAAAAAAAAAAAAAAD/fwAA/38AAAAAAAAJAAAABAAAAF8AYAAeAAAAaAAAAAAAAAAAAAAAAAAAAAAAAAAAAAAAECcAABAnAAAAAAAAAAAAAAAAAAAAAAAAAAAAAAAAAAAAAAAAAAAAABQAAAAAAAAAwMD/AAAAAABkAAAAMgAAAAAAAABkAAAAAAAAAH9/fwAKAAAAIgAAABgAAAAAAAAAAAAAAAAAAAAAAAAAAAAAAAAAAAAkAAAAJAAAAAAAAAAHAAAAAAAAAAAAAAAAAAAAAAAAAAAAAAAAAAAAf39/ACUAAABYAAAAAAAAAAAAAAAAAAAAAAAAAAAAAAAAAAAAAAAAAAAAAAAAAAAAAAAAAAAAAAA/AAAAAAAAAKCGAQAAAAAAAAAAAAAAAAAMAAAAAQAAAAAAAAAAAAAAAAAAAB8AAABUAAAAAAAABQAAAAEAAAAAAAAAAAAAAAAAAAAAAAAAAAAAAAAAAAAAAAAAAAAAAAJ/f38AAAAAA8zMzADAwP8Af39/AAAAAAAAAAAAAAAAAAAAAAAAAAAAIQAAABgAAAAUAAAAViYAAN8JAABGRwAAihUAABAAAAAmAAAACAAAAD0gAAAAAAAA"/>
               </a:ext>
             </a:extLst>
           </p:cNvSpPr>
@@ -531,7 +539,7 @@
             <a:spLocks noGrp="1" noChangeArrowheads="1"/>
             <a:extLst>
               <a:ext uri="smNativeData">
-                <pr:smNativeData xmlns:pr="smNativeData" xmlns="smNativeData" val="SMDATA_15_q5OGZBMAAAAlAAAAZAAAAA0AAAAAAAAAAAAAAAAAAAAAAAAAAAAAAAAAAAAAAAAAAAEAAABQAAAAAAAAAAAA4D8AAAAAAADgPwAAAAAAAOA/AAAAAAAA4D8AAAAAAADgPwAAAAAAAOA/AAAAAAAA4D8AAAAAAADgPwAAAAAAAOA/AAAAAAAA4D8CAAAAjAAAAAAAAAAAAAAARHLEDP///wgAAAAAAAAAAAAAAAAAAAAAAAAAAAAAAAAAAAAAZAAAAAEAAABAAAAAAAAAAAAAAAAAAAAAAAAAAAAAAAAAAAAAAAAAAAAAAAAAAAAAAAAAAAAAAAAAAAAAAAAAAAAAAAAAAAAAAAAAAAAAAAAAAAAAAAAAAAAAAAAAAAAAFAAAADwAAAAAAAAAAAAAAAAAAAkUAAAAAQAAABQAAAAUAAAAFAAAAAEAAAAAAAAAZAAAAGQAAAAAAAAAZAAAAGQAAAAVAAAAYAAAAAAAAAAAAAAADwAAACADAAAAAAAAAAAAAAEAAACgMgAAVgcAAKr4//8BAAAAf39/AAEAAABkAAAAAAAAABQAAABAHwAAAAAAACYAAAAAAAAAwOD//wAAAAAmAAAAZAAAABYAAABMAAAAAAAAAAAAAAAEAAAAAAAAAAEAAADn5uYKAAAAACgAAAAoAAAAZAAAAGQAAAAAAAAAzMzMAAAAAABQAAAAUAAAAGQAAABkAAAAAAAAABcAAAAUAAAAAAAAAAAAAAD/fwAA/38AAAAAAAAJAAAABAAAAF8AYAAeAAAAaAAAAAAAAAAAAAAAAAAAAAAAAAAAAAAAECcAABAnAAAAAAAAAAAAAAAAAAAAAAAAAAAAAAAAAAAAAAAAAAAAABQAAAAAAAAAwMD/AAAAAABkAAAAMgAAAAAAAABkAAAAAAAAAH9/fwAKAAAAIgAAABgAAAAAAAAAAAAAAAAAAAAAAAAAAAAAAAAAAAAkAAAAJAAAAAAAAAAHAAAAAAAAAAAAAAAAAAAAAAAAAAAAAAAAAAAAf39/ACUAAABYAAAAAAAAAAAAAAAAAAAAAAAAAAAAAAAAAAAAAAAAAAAAAAAAAAAAAAAAAAAAAAA/AAAAAAAAAKCGAQAAAAAAAAAAAAAAAAAMAAAAAQAAAAAAAAAAAAAAAAAAAB8AAABUAAAAAAAABQAAAAEAAAAAAAAAAAAAAAAAAAAAAAAAAAAAAAAAAAAAAAAAAAAAAAJ/f38AAAAAA8zMzADAwP8Af39/AAAAAAAAAAAAAAAAAAAAAAAAAAAAIQAAABgAAAAUAAAAwAMAAKcWAACwJAAAUiIAABAAAAAmAAAACAAAAD0gAAAAAAAA"/>
+                <pr:smNativeData xmlns="smNativeData" xmlns:pr="smNativeData" xmlns:p15="http://schemas.microsoft.com/office/powerpoint/2012/main" xmlns:p14="http://schemas.microsoft.com/office/powerpoint/2010/main" xmlns:mc="http://schemas.openxmlformats.org/markup-compatibility/2006" val="SMDATA_15_q5OGZBMAAAAlAAAAZAAAAA0AAAAAAAAAAAAAAAAAAAAAAAAAAAAAAAAAAAAAAAAAAAEAAABQAAAAAAAAAAAA4D8AAAAAAADgPwAAAAAAAOA/AAAAAAAA4D8AAAAAAADgPwAAAAAAAOA/AAAAAAAA4D8AAAAAAADgPwAAAAAAAOA/AAAAAAAA4D8CAAAAjAAAAAAAAAAAAAAARHLEDP///wgAAAAAAAAAAAAAAAAAAAAAAAAAAAAAAAAAAAAAZAAAAAEAAABAAAAAAAAAAAAAAAAAAAAAAAAAAAAAAAAAAAAAAAAAAAAAAAAAAAAAAAAAAAAAAAAAAAAAAAAAAAAAAAAAAAAAAAAAAAAAAAAAAAAAAAAAAAAAAAAAAAAAFAAAADwAAAAAAAAAAAAAAAAAAAkUAAAAAQAAABQAAAAUAAAAFAAAAAEAAAAAAAAAZAAAAGQAAAAAAAAAZAAAAGQAAAAVAAAAYAAAAAAAAAAAAAAADwAAACADAAAAAAAAAAAAAAEAAACgMgAAVgcAAKr4//8BAAAAf39/AAEAAABkAAAAAAAAABQAAABAHwAAAAAAACYAAAAAAAAAwOD//wAAAAAmAAAAZAAAABYAAABMAAAAAAAAAAAAAAAEAAAAAAAAAAEAAADn5uYKAAAAACgAAAAoAAAAZAAAAGQAAAAAAAAAzMzMAAAAAABQAAAAUAAAAGQAAABkAAAAAAAAABcAAAAUAAAAAAAAAAAAAAD/fwAA/38AAAAAAAAJAAAABAAAAF8AYAAeAAAAaAAAAAAAAAAAAAAAAAAAAAAAAAAAAAAAECcAABAnAAAAAAAAAAAAAAAAAAAAAAAAAAAAAAAAAAAAAAAAAAAAABQAAAAAAAAAwMD/AAAAAABkAAAAMgAAAAAAAABkAAAAAAAAAH9/fwAKAAAAIgAAABgAAAAAAAAAAAAAAAAAAAAAAAAAAAAAAAAAAAAkAAAAJAAAAAAAAAAHAAAAAAAAAAAAAAAAAAAAAAAAAAAAAAAAAAAAf39/ACUAAABYAAAAAAAAAAAAAAAAAAAAAAAAAAAAAAAAAAAAAAAAAAAAAAAAAAAAAAAAAAAAAAA/AAAAAAAAAKCGAQAAAAAAAAAAAAAAAAAMAAAAAQAAAAAAAAAAAAAAAAAAAB8AAABUAAAAAAAABQAAAAEAAAAAAAAAAAAAAAAAAAAAAAAAAAAAAAAAAAAAAAAAAAAAAAJ/f38AAAAAA8zMzADAwP8Af39/AAAAAAAAAAAAAAAAAAAAAAAAAAAAIQAAABgAAAAUAAAAwAMAAKcWAACwJAAAUiIAABAAAAAmAAAACAAAAD0gAAAAAAAA"/>
               </a:ext>
             </a:extLst>
           </p:cNvSpPr>
@@ -567,7 +575,7 @@
             <a:spLocks noGrp="1" noChangeArrowheads="1"/>
             <a:extLst>
               <a:ext uri="smNativeData">
-                <pr:smNativeData xmlns:pr="smNativeData" xmlns="smNativeData" val="SMDATA_15_q5OGZBMAAAAlAAAAZAAAAA0AAAAAAAAAAAAAAAAAAAAAAAAAAAAAAAAAAAAAAAAAAAEAAABQAAAAAAAAAAAA4D8AAAAAAADgPwAAAAAAAOA/AAAAAAAA4D8AAAAAAADgPwAAAAAAAOA/AAAAAAAA4D8AAAAAAADgPwAAAAAAAOA/AAAAAAAA4D8CAAAAjAAAAAAAAAAAAAAARHLEDP///wgAAAAAAAAAAAAAAAAAAAAAAAAAAAAAAAAAAAAAZAAAAAEAAABAAAAAAAAAAAAAAAAAAAAAAAAAAAAAAAAAAAAAAAAAAAAAAAAAAAAAAAAAAAAAAAAAAAAAAAAAAAAAAAAAAAAAAAAAAAAAAAAAAAAAAAAAAAAAAAAAAAAAFAAAADwAAAAAAAAAAAAAAAAAAAkUAAAAAQAAABQAAAAUAAAAFAAAAAEAAAAAAAAAZAAAAGQAAAAAAAAAZAAAAGQAAAAVAAAAYAAAAAAAAAAAAAAADwAAACADAAAAAAAAAAAAAAEAAACgMgAAVgcAAKr4//8BAAAAf39/AAEAAABkAAAAAAAAABQAAABAHwAAAAAAACYAAAAAAAAAwOD//wAAAAAmAAAAZAAAABYAAABMAAAAAAAAAAAAAAAEAAAAAAAAAAEAAADn5uYKAAAAACgAAAAoAAAAZAAAAGQAAAAAAAAAzMzMAAAAAABQAAAAUAAAAGQAAABkAAAAAAAAABcAAAAUAAAAAAAAAAAAAAD/fwAA/38AAAAAAAAJAAAABAAAAF8AYAAeAAAAaAAAAAAAAAAAAAAAAAAAAAAAAAAAAAAAECcAABAnAAAAAAAAAAAAAAAAAAAAAAAAAAAAAAAAAAAAAAAAAAAAABQAAAAAAAAAwMD/AAAAAABkAAAAMgAAAAAAAABkAAAAAAAAAH9/fwAKAAAAIgAAABgAAAAAAAAAAAAAAAAAAAAAAAAAAAAAAAAAAAAkAAAAJAAAAAAAAAAHAAAAAAAAAAAAAAAAAAAAAAAAAAAAAAAAAAAAf39/ACUAAABYAAAAAAAAAAAAAAAAAAAAAAAAAAAAAAAAAAAAAAAAAAAAAAAAAAAAAAAAAAAAAAA/AAAAAAAAAKCGAQAAAAAAAAAAAAAAAAAMAAAAAQAAAAAAAAAAAAAAAAAAAB8AAABUAAAAAAAABQAAAAEAAAAAAAAAAAAAAAAAAAAAAAAAAAAAAAAAAAAAAAAAAAAAAAJ/f38AAAAAA8zMzADAwP8Af39/AAAAAAAAAAAAAAAAAAAAAAAAAAAAIQAAABgAAAAUAAAAViYAAKcWAABGRwAAUiIAABAAAAAmAAAACAAAAD0gAAAAAAAA"/>
+                <pr:smNativeData xmlns="smNativeData" xmlns:pr="smNativeData" xmlns:p15="http://schemas.microsoft.com/office/powerpoint/2012/main" xmlns:p14="http://schemas.microsoft.com/office/powerpoint/2010/main" xmlns:mc="http://schemas.openxmlformats.org/markup-compatibility/2006" val="SMDATA_15_q5OGZBMAAAAlAAAAZAAAAA0AAAAAAAAAAAAAAAAAAAAAAAAAAAAAAAAAAAAAAAAAAAEAAABQAAAAAAAAAAAA4D8AAAAAAADgPwAAAAAAAOA/AAAAAAAA4D8AAAAAAADgPwAAAAAAAOA/AAAAAAAA4D8AAAAAAADgPwAAAAAAAOA/AAAAAAAA4D8CAAAAjAAAAAAAAAAAAAAARHLEDP///wgAAAAAAAAAAAAAAAAAAAAAAAAAAAAAAAAAAAAAZAAAAAEAAABAAAAAAAAAAAAAAAAAAAAAAAAAAAAAAAAAAAAAAAAAAAAAAAAAAAAAAAAAAAAAAAAAAAAAAAAAAAAAAAAAAAAAAAAAAAAAAAAAAAAAAAAAAAAAAAAAAAAAFAAAADwAAAAAAAAAAAAAAAAAAAkUAAAAAQAAABQAAAAUAAAAFAAAAAEAAAAAAAAAZAAAAGQAAAAAAAAAZAAAAGQAAAAVAAAAYAAAAAAAAAAAAAAADwAAACADAAAAAAAAAAAAAAEAAACgMgAAVgcAAKr4//8BAAAAf39/AAEAAABkAAAAAAAAABQAAABAHwAAAAAAACYAAAAAAAAAwOD//wAAAAAmAAAAZAAAABYAAABMAAAAAAAAAAAAAAAEAAAAAAAAAAEAAADn5uYKAAAAACgAAAAoAAAAZAAAAGQAAAAAAAAAzMzMAAAAAABQAAAAUAAAAGQAAABkAAAAAAAAABcAAAAUAAAAAAAAAAAAAAD/fwAA/38AAAAAAAAJAAAABAAAAF8AYAAeAAAAaAAAAAAAAAAAAAAAAAAAAAAAAAAAAAAAECcAABAnAAAAAAAAAAAAAAAAAAAAAAAAAAAAAAAAAAAAAAAAAAAAABQAAAAAAAAAwMD/AAAAAABkAAAAMgAAAAAAAABkAAAAAAAAAH9/fwAKAAAAIgAAABgAAAAAAAAAAAAAAAAAAAAAAAAAAAAAAAAAAAAkAAAAJAAAAAAAAAAHAAAAAAAAAAAAAAAAAAAAAAAAAAAAAAAAAAAAf39/ACUAAABYAAAAAAAAAAAAAAAAAAAAAAAAAAAAAAAAAAAAAAAAAAAAAAAAAAAAAAAAAAAAAAA/AAAAAAAAAKCGAQAAAAAAAAAAAAAAAAAMAAAAAQAAAAAAAAAAAAAAAAAAAB8AAABUAAAAAAAABQAAAAEAAAAAAAAAAAAAAAAAAAAAAAAAAAAAAAAAAAAAAAAAAAAAAAJ/f38AAAAAA8zMzADAwP8Af39/AAAAAAAAAAAAAAAAAAAAAAAAAAAAIQAAABgAAAAUAAAAViYAAKcWAABGRwAAUiIAABAAAAAmAAAACAAAAD0gAAAAAAAA"/>
               </a:ext>
             </a:extLst>
           </p:cNvSpPr>
@@ -605,7 +613,7 @@
 </file>
 
 <file path=ppt/slideLayouts/slideLayout12.xml><?xml version="1.0" encoding="utf-8"?>
-<p:sldLayout xmlns:p="http://schemas.openxmlformats.org/presentationml/2006/main" xmlns:mc="http://schemas.openxmlformats.org/markup-compatibility/2006" xmlns:p14="http://schemas.microsoft.com/office/powerpoint/2010/main" xmlns:p15="http://schemas.microsoft.com/office/powerpoint/2012/main" xmlns:r="http://schemas.openxmlformats.org/officeDocument/2006/relationships" xmlns:a="http://schemas.openxmlformats.org/drawingml/2006/main" type="blank" preserve="1">
+<p:sldLayout xmlns:a="http://schemas.openxmlformats.org/drawingml/2006/main" xmlns:r="http://schemas.openxmlformats.org/officeDocument/2006/relationships" xmlns:p="http://schemas.openxmlformats.org/presentationml/2006/main" type="blank" preserve="1">
   <p:cSld name="Title, 6 Content">
     <p:spTree>
       <p:nvGrpSpPr>
@@ -628,7 +636,7 @@
             <a:spLocks noGrp="1" noChangeArrowheads="1"/>
             <a:extLst>
               <a:ext uri="smNativeData">
-                <pr:smNativeData xmlns:pr="smNativeData" xmlns="smNativeData" val="SMDATA_15_q5OGZBMAAAAlAAAAZAAAAA0AAAAAAAAAAAAAAAAAAAAAAAAAAAAAAAABAAAAAAAAAAEAAABQAAAAAAAAAAAA4D8AAAAAAADgPwAAAAAAAOA/AAAAAAAA4D8AAAAAAADgPwAAAAAAAOA/AAAAAAAA4D8AAAAAAADgPwAAAAAAAOA/AAAAAAAA4D8CAAAAjAAAAAAAAAAAAAAARHLEDP///wgAAAAAAAAAAAAAAAAAAAAAAAAAAAAAAAAAAAAAZAAAAAEAAABAAAAAAAAAAAAAAAAAAAAAAAAAAAAAAAAAAAAAAAAAAAAAAAAAAAAAAAAAAAAAAAAAAAAAAAAAAAAAAAAAAAAAAAAAAAAAAAAAAAAAAAAAAAAAAAAAAAAAFAAAADwAAAAAAAAAAAAAAAAAAAkUAAAAAQAAABQAAAAUAAAAFAAAAAEAAAAAAAAAZAAAAGQAAAAAAAAAZAAAAGQAAAAVAAAAYAAAAAAAAAAAAAAADwAAACADAAAAAAAAAAAAAAEAAACgMgAAVgcAAKr4//8BAAAAf39/AAEAAABkAAAAAAAAABQAAABAHwAAAAAAACYAAAAAAAAAwOD//wAAAAAmAAAAZAAAABYAAABMAAAAAAAAAAAAAAAEAAAAAAAAAAEAAADn5uYKAAAAACgAAAAoAAAAZAAAAGQAAAAAAAAAzMzMAAAAAABQAAAAUAAAAGQAAABkAAAAAAAAABcAAAAUAAAAAAAAAAAAAAD/fwAA/38AAAAAAAAJAAAABAAAAAAAAAAeAAAAaAAAAAAAAAAAAAAAAAAAAAAAAAAAAAAAECcAABAnAAAAAAAAAAAAAAAAAAAAAAAAAAAAAAAAAAAAAAAAAAAAABQAAAAAAAAAwMD/AAAAAABkAAAAMgAAAAAAAABkAAAAAAAAAH9/fwAKAAAAIgAAABgAAAAAAAAAAAAAAAAAAAAAAAAAAAAAAAAAAAAkAAAAJAAAAAAAAAAHAAAAAAAAAAAAAAAAAAAAAAAAAAAAAAAAAAAAf39/ACUAAABYAAAAAAAAAAAAAAAAAAAAAAAAAAAAAAAAAAAAAAAAAAAAAAAAAAAAAAAAAAAAAAA/AAAAAAAAAKCGAQAAAAAAAAAAAAAAAAAMAAAAAQAAAAAAAAAAAAAAAAAAAB8AAABUAAAAAAAABQAAAAEAAAAAAAAAAAAAAAAAAAAAAAAAAAAAAAAAAAAAAAAAAAAAAAJ/f38AAAAAA8zMzADAwP8Af39/AAAAAAAAAAAAAAAAAAAAAAAAAAAAIQAAABgAAAAUAAAAwAMAAK8BAAA/RwAAuggAABAAAAAmAAAACAAAAD0gAAAAAAAA"/>
+                <pr:smNativeData xmlns="smNativeData" xmlns:pr="smNativeData" xmlns:p15="http://schemas.microsoft.com/office/powerpoint/2012/main" xmlns:p14="http://schemas.microsoft.com/office/powerpoint/2010/main" xmlns:mc="http://schemas.openxmlformats.org/markup-compatibility/2006" val="SMDATA_15_q5OGZBMAAAAlAAAAZAAAAA0AAAAAAAAAAAAAAAAAAAAAAAAAAAAAAAABAAAAAAAAAAEAAABQAAAAAAAAAAAA4D8AAAAAAADgPwAAAAAAAOA/AAAAAAAA4D8AAAAAAADgPwAAAAAAAOA/AAAAAAAA4D8AAAAAAADgPwAAAAAAAOA/AAAAAAAA4D8CAAAAjAAAAAAAAAAAAAAARHLEDP///wgAAAAAAAAAAAAAAAAAAAAAAAAAAAAAAAAAAAAAZAAAAAEAAABAAAAAAAAAAAAAAAAAAAAAAAAAAAAAAAAAAAAAAAAAAAAAAAAAAAAAAAAAAAAAAAAAAAAAAAAAAAAAAAAAAAAAAAAAAAAAAAAAAAAAAAAAAAAAAAAAAAAAFAAAADwAAAAAAAAAAAAAAAAAAAkUAAAAAQAAABQAAAAUAAAAFAAAAAEAAAAAAAAAZAAAAGQAAAAAAAAAZAAAAGQAAAAVAAAAYAAAAAAAAAAAAAAADwAAACADAAAAAAAAAAAAAAEAAACgMgAAVgcAAKr4//8BAAAAf39/AAEAAABkAAAAAAAAABQAAABAHwAAAAAAACYAAAAAAAAAwOD//wAAAAAmAAAAZAAAABYAAABMAAAAAAAAAAAAAAAEAAAAAAAAAAEAAADn5uYKAAAAACgAAAAoAAAAZAAAAGQAAAAAAAAAzMzMAAAAAABQAAAAUAAAAGQAAABkAAAAAAAAABcAAAAUAAAAAAAAAAAAAAD/fwAA/38AAAAAAAAJAAAABAAAAAAAAAAeAAAAaAAAAAAAAAAAAAAAAAAAAAAAAAAAAAAAECcAABAnAAAAAAAAAAAAAAAAAAAAAAAAAAAAAAAAAAAAAAAAAAAAABQAAAAAAAAAwMD/AAAAAABkAAAAMgAAAAAAAABkAAAAAAAAAH9/fwAKAAAAIgAAABgAAAAAAAAAAAAAAAAAAAAAAAAAAAAAAAAAAAAkAAAAJAAAAAAAAAAHAAAAAAAAAAAAAAAAAAAAAAAAAAAAAAAAAAAAf39/ACUAAABYAAAAAAAAAAAAAAAAAAAAAAAAAAAAAAAAAAAAAAAAAAAAAAAAAAAAAAAAAAAAAAA/AAAAAAAAAKCGAQAAAAAAAAAAAAAAAAAMAAAAAQAAAAAAAAAAAAAAAAAAAB8AAABUAAAAAAAABQAAAAEAAAAAAAAAAAAAAAAAAAAAAAAAAAAAAAAAAAAAAAAAAAAAAAJ/f38AAAAAA8zMzADAwP8Af39/AAAAAAAAAAAAAAAAAAAAAAAAAAAAIQAAABgAAAAUAAAAwAMAAK8BAAA/RwAAuggAABAAAAAmAAAACAAAAD0gAAAAAAAA"/>
               </a:ext>
             </a:extLst>
           </p:cNvSpPr>
@@ -664,7 +672,7 @@
             <a:spLocks noGrp="1" noChangeArrowheads="1"/>
             <a:extLst>
               <a:ext uri="smNativeData">
-                <pr:smNativeData xmlns:pr="smNativeData" xmlns="smNativeData" val="SMDATA_15_q5OGZBMAAAAlAAAAZAAAAA0AAAAAAAAAAAAAAAAAAAAAAAAAAAAAAAAAAAAAAAAAAAEAAABQAAAAAAAAAAAA4D8AAAAAAADgPwAAAAAAAOA/AAAAAAAA4D8AAAAAAADgPwAAAAAAAOA/AAAAAAAA4D8AAAAAAADgPwAAAAAAAOA/AAAAAAAA4D8CAAAAjAAAAAAAAAAAAAAARHLEDP///wgAAAAAAAAAAAAAAAAAAAAAAAAAAAAAAAAAAAAAZAAAAAEAAABAAAAAAAAAAAAAAAAAAAAAAAAAAAAAAAAAAAAAAAAAAAAAAAAAAAAAAAAAAAAAAAAAAAAAAAAAAAAAAAAAAAAAAAAAAAAAAAAAAAAAAAAAAAAAAAAAAAAAFAAAADwAAAAAAAAAAAAAAAAAAAkUAAAAAQAAABQAAAAUAAAAFAAAAAEAAAAAAAAAZAAAAGQAAAAAAAAAZAAAAGQAAAAVAAAAYAAAAAAAAAAAAAAADwAAACADAAAAAAAAAAAAAAEAAACgMgAAVgcAAKr4//8BAAAAf39/AAEAAABkAAAAAAAAABQAAABAHwAAAAAAACYAAAAAAAAAwOD//wAAAAAmAAAAZAAAABYAAABMAAAAAAAAAAAAAAAEAAAAAAAAAAEAAADn5uYKAAAAACgAAAAoAAAAZAAAAGQAAAAAAAAAzMzMAAAAAABQAAAAUAAAAGQAAABkAAAAAAAAABcAAAAUAAAAAAAAAAAAAAD/fwAA/38AAAAAAAAJAAAABAAAAF8AYAAeAAAAaAAAAAAAAAAAAAAAAAAAAAAAAAAAAAAAECcAABAnAAAAAAAAAAAAAAAAAAAAAAAAAAAAAAAAAAAAAAAAAAAAABQAAAAAAAAAwMD/AAAAAABkAAAAMgAAAAAAAABkAAAAAAAAAH9/fwAKAAAAIgAAABgAAAAAAAAAAAAAAAAAAAAAAAAAAAAAAAAAAAAkAAAAJAAAAAAAAAAHAAAAAAAAAAAAAAAAAAAAAAAAAAAAAAAAAAAAf39/ACUAAABYAAAAAAAAAAAAAAAAAAAAAAAAAAAAAAAAAAAAAAAAAAAAAAAAAAAAAAAAAAAAAAA/AAAAAAAAAKCGAQAAAAAAAAAAAAAAAAAMAAAAAQAAAAAAAAAAAAAAAAAAAB8AAABUAAAAAAAABQAAAAEAAAAAAAAAAAAAAAAAAAAAAAAAAAAAAAAAAAAAAAAAAAAAAAJ/f38AAAAAA8zMzADAwP8Af39/AAAAAAAAAAAAAAAAAAAAAAAAAAAAIQAAABgAAAAUAAAAwAMAAN8JAAB8GQAAihUAABAAAAAmAAAACAAAAD0gAAAAAAAA"/>
+                <pr:smNativeData xmlns="smNativeData" xmlns:pr="smNativeData" xmlns:p15="http://schemas.microsoft.com/office/powerpoint/2012/main" xmlns:p14="http://schemas.microsoft.com/office/powerpoint/2010/main" xmlns:mc="http://schemas.openxmlformats.org/markup-compatibility/2006" val="SMDATA_15_q5OGZBMAAAAlAAAAZAAAAA0AAAAAAAAAAAAAAAAAAAAAAAAAAAAAAAAAAAAAAAAAAAEAAABQAAAAAAAAAAAA4D8AAAAAAADgPwAAAAAAAOA/AAAAAAAA4D8AAAAAAADgPwAAAAAAAOA/AAAAAAAA4D8AAAAAAADgPwAAAAAAAOA/AAAAAAAA4D8CAAAAjAAAAAAAAAAAAAAARHLEDP///wgAAAAAAAAAAAAAAAAAAAAAAAAAAAAAAAAAAAAAZAAAAAEAAABAAAAAAAAAAAAAAAAAAAAAAAAAAAAAAAAAAAAAAAAAAAAAAAAAAAAAAAAAAAAAAAAAAAAAAAAAAAAAAAAAAAAAAAAAAAAAAAAAAAAAAAAAAAAAAAAAAAAAFAAAADwAAAAAAAAAAAAAAAAAAAkUAAAAAQAAABQAAAAUAAAAFAAAAAEAAAAAAAAAZAAAAGQAAAAAAAAAZAAAAGQAAAAVAAAAYAAAAAAAAAAAAAAADwAAACADAAAAAAAAAAAAAAEAAACgMgAAVgcAAKr4//8BAAAAf39/AAEAAABkAAAAAAAAABQAAABAHwAAAAAAACYAAAAAAAAAwOD//wAAAAAmAAAAZAAAABYAAABMAAAAAAAAAAAAAAAEAAAAAAAAAAEAAADn5uYKAAAAACgAAAAoAAAAZAAAAGQAAAAAAAAAzMzMAAAAAABQAAAAUAAAAGQAAABkAAAAAAAAABcAAAAUAAAAAAAAAAAAAAD/fwAA/38AAAAAAAAJAAAABAAAAF8AYAAeAAAAaAAAAAAAAAAAAAAAAAAAAAAAAAAAAAAAECcAABAnAAAAAAAAAAAAAAAAAAAAAAAAAAAAAAAAAAAAAAAAAAAAABQAAAAAAAAAwMD/AAAAAABkAAAAMgAAAAAAAABkAAAAAAAAAH9/fwAKAAAAIgAAABgAAAAAAAAAAAAAAAAAAAAAAAAAAAAAAAAAAAAkAAAAJAAAAAAAAAAHAAAAAAAAAAAAAAAAAAAAAAAAAAAAAAAAAAAAf39/ACUAAABYAAAAAAAAAAAAAAAAAAAAAAAAAAAAAAAAAAAAAAAAAAAAAAAAAAAAAAAAAAAAAAA/AAAAAAAAAKCGAQAAAAAAAAAAAAAAAAAMAAAAAQAAAAAAAAAAAAAAAAAAAB8AAABUAAAAAAAABQAAAAEAAAAAAAAAAAAAAAAAAAAAAAAAAAAAAAAAAAAAAAAAAAAAAAJ/f38AAAAAA8zMzADAwP8Af39/AAAAAAAAAAAAAAAAAAAAAAAAAAAAIQAAABgAAAAUAAAAwAMAAN8JAAB8GQAAihUAABAAAAAmAAAACAAAAD0gAAAAAAAA"/>
               </a:ext>
             </a:extLst>
           </p:cNvSpPr>
@@ -700,7 +708,7 @@
             <a:spLocks noGrp="1" noChangeArrowheads="1"/>
             <a:extLst>
               <a:ext uri="smNativeData">
-                <pr:smNativeData xmlns:pr="smNativeData" xmlns="smNativeData" val="SMDATA_15_q5OGZBMAAAAlAAAAZAAAAA0AAAAAAAAAAAAAAAAAAAAAAAAAAAAAAAAAAAAAAAAAAAEAAABQAAAAAAAAAAAA4D8AAAAAAADgPwAAAAAAAOA/AAAAAAAA4D8AAAAAAADgPwAAAAAAAOA/AAAAAAAA4D8AAAAAAADgPwAAAAAAAOA/AAAAAAAA4D8CAAAAjAAAAAAAAAAAAAAARHLEDP///wgAAAAAAAAAAAAAAAAAAAAAAAAAAAAAAAAAAAAAZAAAAAEAAABAAAAAAAAAAAAAAAAAAAAAAAAAAAAAAAAAAAAAAAAAAAAAAAAAAAAAAAAAAAAAAAAAAAAAAAAAAAAAAAAAAAAAAAAAAAAAAAAAAAAAAAAAAAAAAAAAAAAAFAAAADwAAAAAAAAAAAAAAAAAAAkUAAAAAQAAABQAAAAUAAAAFAAAAAEAAAAAAAAAZAAAAGQAAAAAAAAAZAAAAGQAAAAVAAAAYAAAAAAAAAAAAAAADwAAACADAAAAAAAAAAAAAAEAAACgMgAAVgcAAKr4//8BAAAAf39/AAEAAABkAAAAAAAAABQAAABAHwAAAAAAACYAAAAAAAAAwOD//wAAAAAmAAAAZAAAABYAAABMAAAAAAAAAAAAAAAEAAAAAAAAAAEAAADn5uYKAAAAACgAAAAoAAAAZAAAAGQAAAAAAAAAzMzMAAAAAABQAAAAUAAAAGQAAABkAAAAAAAAABcAAAAUAAAAAAAAAAAAAAD/fwAA/38AAAAAAAAJAAAABAAAAAAAAAAeAAAAaAAAAAAAAAAAAAAAAAAAAAAAAAAAAAAAECcAABAnAAAAAAAAAAAAAAAAAAAAAAAAAAAAAAAAAAAAAAAAAAAAABQAAAAAAAAAwMD/AAAAAABkAAAAMgAAAAAAAABkAAAAAAAAAH9/fwAKAAAAIgAAABgAAAAAAAAAAAAAAAAAAAAAAAAAAAAAAAAAAAAkAAAAJAAAAAAAAAAHAAAAAAAAAAAAAAAAAAAAAAAAAAAAAAAAAAAAf39/ACUAAABYAAAAAAAAAAAAAAAAAAAAAAAAAAAAAAAAAAAAAAAAAAAAAAAAAAAAAAAAAAAAAAA/AAAAAAAAAKCGAQAAAAAAAAAAAAAAAAAMAAAAAQAAAAAAAAAAAAAAAAAAAB8AAABUAAAAAAAABQAAAAEAAAAAAAAAAAAAAAAAAAAAAAAAAAAAAAAAAAAAAAAAAAAAAAJ/f38AAAAAA8zMzADAwP8Af39/AAAAAAAAAAAAAAAAAAAAAAAAAAAAIQAAABgAAAAUAAAAkxoAAN8JAABOMAAAihUAABAAAAAmAAAACAAAAD0gAAAAAAAA"/>
+                <pr:smNativeData xmlns="smNativeData" xmlns:pr="smNativeData" xmlns:p15="http://schemas.microsoft.com/office/powerpoint/2012/main" xmlns:p14="http://schemas.microsoft.com/office/powerpoint/2010/main" xmlns:mc="http://schemas.openxmlformats.org/markup-compatibility/2006" val="SMDATA_15_q5OGZBMAAAAlAAAAZAAAAA0AAAAAAAAAAAAAAAAAAAAAAAAAAAAAAAAAAAAAAAAAAAEAAABQAAAAAAAAAAAA4D8AAAAAAADgPwAAAAAAAOA/AAAAAAAA4D8AAAAAAADgPwAAAAAAAOA/AAAAAAAA4D8AAAAAAADgPwAAAAAAAOA/AAAAAAAA4D8CAAAAjAAAAAAAAAAAAAAARHLEDP///wgAAAAAAAAAAAAAAAAAAAAAAAAAAAAAAAAAAAAAZAAAAAEAAABAAAAAAAAAAAAAAAAAAAAAAAAAAAAAAAAAAAAAAAAAAAAAAAAAAAAAAAAAAAAAAAAAAAAAAAAAAAAAAAAAAAAAAAAAAAAAAAAAAAAAAAAAAAAAAAAAAAAAFAAAADwAAAAAAAAAAAAAAAAAAAkUAAAAAQAAABQAAAAUAAAAFAAAAAEAAAAAAAAAZAAAAGQAAAAAAAAAZAAAAGQAAAAVAAAAYAAAAAAAAAAAAAAADwAAACADAAAAAAAAAAAAAAEAAACgMgAAVgcAAKr4//8BAAAAf39/AAEAAABkAAAAAAAAABQAAABAHwAAAAAAACYAAAAAAAAAwOD//wAAAAAmAAAAZAAAABYAAABMAAAAAAAAAAAAAAAEAAAAAAAAAAEAAADn5uYKAAAAACgAAAAoAAAAZAAAAGQAAAAAAAAAzMzMAAAAAABQAAAAUAAAAGQAAABkAAAAAAAAABcAAAAUAAAAAAAAAAAAAAD/fwAA/38AAAAAAAAJAAAABAAAAAAAAAAeAAAAaAAAAAAAAAAAAAAAAAAAAAAAAAAAAAAAECcAABAnAAAAAAAAAAAAAAAAAAAAAAAAAAAAAAAAAAAAAAAAAAAAABQAAAAAAAAAwMD/AAAAAABkAAAAMgAAAAAAAABkAAAAAAAAAH9/fwAKAAAAIgAAABgAAAAAAAAAAAAAAAAAAAAAAAAAAAAAAAAAAAAkAAAAJAAAAAAAAAAHAAAAAAAAAAAAAAAAAAAAAAAAAAAAAAAAAAAAf39/ACUAAABYAAAAAAAAAAAAAAAAAAAAAAAAAAAAAAAAAAAAAAAAAAAAAAAAAAAAAAAAAAAAAAA/AAAAAAAAAKCGAQAAAAAAAAAAAAAAAAAMAAAAAQAAAAAAAAAAAAAAAAAAAB8AAABUAAAAAAAABQAAAAEAAAAAAAAAAAAAAAAAAAAAAAAAAAAAAAAAAAAAAAAAAAAAAAJ/f38AAAAAA8zMzADAwP8Af39/AAAAAAAAAAAAAAAAAAAAAAAAAAAAIQAAABgAAAAUAAAAkxoAAN8JAABOMAAAihUAABAAAAAmAAAACAAAAD0gAAAAAAAA"/>
               </a:ext>
             </a:extLst>
           </p:cNvSpPr>
@@ -736,7 +744,7 @@
             <a:spLocks noGrp="1" noChangeArrowheads="1"/>
             <a:extLst>
               <a:ext uri="smNativeData">
-                <pr:smNativeData xmlns:pr="smNativeData" xmlns="smNativeData" val="SMDATA_15_q5OGZBMAAAAlAAAAZAAAAA0AAAAAAAAAAAAAAAAAAAAAAAAAAAAAAAAAAAAAAAAAAAEAAABQAAAAAAAAAAAA4D8AAAAAAADgPwAAAAAAAOA/AAAAAAAA4D8AAAAAAADgPwAAAAAAAOA/AAAAAAAA4D8AAAAAAADgPwAAAAAAAOA/AAAAAAAA4D8CAAAAjAAAAAAAAAAAAAAARHLEDP///wgAAAAAAAAAAAAAAAAAAAAAAAAAAAAAAAAAAAAAZAAAAAEAAABAAAAAAAAAAAAAAAAAAAAAAAAAAAAAAAAAAAAAAAAAAAAAAAAAAAAAAAAAAAAAAAAAAAAAAAAAAAAAAAAAAAAAAAAAAAAAAAAAAAAAAAAAAAAAAAAAAAAAFAAAADwAAAAAAAAAAAAAAAAAAAkUAAAAAQAAABQAAAAUAAAAFAAAAAEAAAAAAAAAZAAAAGQAAAAAAAAAZAAAAGQAAAAVAAAAYAAAAAAAAAAAAAAADwAAACADAAAAAAAAAAAAAAEAAACgMgAAVgcAAKr4//8BAAAAf39/AAEAAABkAAAAAAAAABQAAABAHwAAAAAAACYAAAAAAAAAwOD//wAAAAAmAAAAZAAAABYAAABMAAAAAAAAAAAAAAAEAAAAAAAAAAEAAADn5uYKAAAAACgAAAAoAAAAZAAAAGQAAAAAAAAAzMzMAAAAAABQAAAAUAAAAGQAAABkAAAAAAAAABcAAAAUAAAAAAAAAAAAAAD/fwAA/38AAAAAAAAJAAAABAAAALsAAAAeAAAAaAAAAAAAAAAAAAAAAAAAAAAAAAAAAAAAECcAABAnAAAAAAAAAAAAAAAAAAAAAAAAAAAAAAAAAAAAAAAAAAAAABQAAAAAAAAAwMD/AAAAAABkAAAAMgAAAAAAAABkAAAAAAAAAH9/fwAKAAAAIgAAABgAAAAAAAAAAAAAAAAAAAAAAAAAAAAAAAAAAAAkAAAAJAAAAAAAAAAHAAAAAAAAAAAAAAAAAAAAAAAAAAAAAAAAAAAAf39/ACUAAABYAAAAAAAAAAAAAAAAAAAAAAAAAAAAAAAAAAAAAAAAAAAAAAAAAAAAAAAAAAAAAAA/AAAAAAAAAKCGAQAAAAAAAAAAAAAAAAAMAAAAAQAAAAAAAAAAAAAAAAAAAB8AAABUAAAAAAAABQAAAAEAAAAAAAAAAAAAAAAAAAAAAAAAAAAAAAAAAAAAAAAAAAAAAAJ/f38AAAAAA8zMzADAwP8Af39/AAAAAAAAAAAAAAAAAAAAAAAAAAAAIQAAABgAAAAUAAAAZTEAAN8JAAAhRwAAihUAABAAAAAmAAAACAAAAD0gAAAAAAAA"/>
+                <pr:smNativeData xmlns="smNativeData" xmlns:pr="smNativeData" xmlns:p15="http://schemas.microsoft.com/office/powerpoint/2012/main" xmlns:p14="http://schemas.microsoft.com/office/powerpoint/2010/main" xmlns:mc="http://schemas.openxmlformats.org/markup-compatibility/2006" val="SMDATA_15_q5OGZBMAAAAlAAAAZAAAAA0AAAAAAAAAAAAAAAAAAAAAAAAAAAAAAAAAAAAAAAAAAAEAAABQAAAAAAAAAAAA4D8AAAAAAADgPwAAAAAAAOA/AAAAAAAA4D8AAAAAAADgPwAAAAAAAOA/AAAAAAAA4D8AAAAAAADgPwAAAAAAAOA/AAAAAAAA4D8CAAAAjAAAAAAAAAAAAAAARHLEDP///wgAAAAAAAAAAAAAAAAAAAAAAAAAAAAAAAAAAAAAZAAAAAEAAABAAAAAAAAAAAAAAAAAAAAAAAAAAAAAAAAAAAAAAAAAAAAAAAAAAAAAAAAAAAAAAAAAAAAAAAAAAAAAAAAAAAAAAAAAAAAAAAAAAAAAAAAAAAAAAAAAAAAAFAAAADwAAAAAAAAAAAAAAAAAAAkUAAAAAQAAABQAAAAUAAAAFAAAAAEAAAAAAAAAZAAAAGQAAAAAAAAAZAAAAGQAAAAVAAAAYAAAAAAAAAAAAAAADwAAACADAAAAAAAAAAAAAAEAAACgMgAAVgcAAKr4//8BAAAAf39/AAEAAABkAAAAAAAAABQAAABAHwAAAAAAACYAAAAAAAAAwOD//wAAAAAmAAAAZAAAABYAAABMAAAAAAAAAAAAAAAEAAAAAAAAAAEAAADn5uYKAAAAACgAAAAoAAAAZAAAAGQAAAAAAAAAzMzMAAAAAABQAAAAUAAAAGQAAABkAAAAAAAAABcAAAAUAAAAAAAAAAAAAAD/fwAA/38AAAAAAAAJAAAABAAAALsAAAAeAAAAaAAAAAAAAAAAAAAAAAAAAAAAAAAAAAAAECcAABAnAAAAAAAAAAAAAAAAAAAAAAAAAAAAAAAAAAAAAAAAAAAAABQAAAAAAAAAwMD/AAAAAABkAAAAMgAAAAAAAABkAAAAAAAAAH9/fwAKAAAAIgAAABgAAAAAAAAAAAAAAAAAAAAAAAAAAAAAAAAAAAAkAAAAJAAAAAAAAAAHAAAAAAAAAAAAAAAAAAAAAAAAAAAAAAAAAAAAf39/ACUAAABYAAAAAAAAAAAAAAAAAAAAAAAAAAAAAAAAAAAAAAAAAAAAAAAAAAAAAAAAAAAAAAA/AAAAAAAAAKCGAQAAAAAAAAAAAAAAAAAMAAAAAQAAAAAAAAAAAAAAAAAAAB8AAABUAAAAAAAABQAAAAEAAAAAAAAAAAAAAAAAAAAAAAAAAAAAAAAAAAAAAAAAAAAAAAJ/f38AAAAAA8zMzADAwP8Af39/AAAAAAAAAAAAAAAAAAAAAAAAAAAAIQAAABgAAAAUAAAAZTEAAN8JAAAhRwAAihUAABAAAAAmAAAACAAAAD0gAAAAAAAA"/>
               </a:ext>
             </a:extLst>
           </p:cNvSpPr>
@@ -772,7 +780,7 @@
             <a:spLocks noGrp="1" noChangeArrowheads="1"/>
             <a:extLst>
               <a:ext uri="smNativeData">
-                <pr:smNativeData xmlns:pr="smNativeData" xmlns="smNativeData" val="SMDATA_15_q5OGZBMAAAAlAAAAZAAAAA0AAAAAAAAAAAAAAAAAAAAAAAAAAAAAAAAAAAAAAAAAAAEAAABQAAAAAAAAAAAA4D8AAAAAAADgPwAAAAAAAOA/AAAAAAAA4D8AAAAAAADgPwAAAAAAAOA/AAAAAAAA4D8AAAAAAADgPwAAAAAAAOA/AAAAAAAA4D8CAAAAjAAAAAAAAAAAAAAARHLEDP///wgAAAAAAAAAAAAAAAAAAAAAAAAAAAAAAAAAAAAAZAAAAAEAAABAAAAAAAAAAAAAAAAAAAAAAAAAAAAAAAAAAAAAAAAAAAAAAAAAAAAAAAAAAAAAAAAAAAAAAAAAAAAAAAAAAAAAAAAAAAAAAAAAAAAAAAAAAAAAAAAAAAAAFAAAADwAAAAAAAAAAAAAAAAAAAkUAAAAAQAAABQAAAAUAAAAFAAAAAEAAAAAAAAAZAAAAGQAAAAAAAAAZAAAAGQAAAAVAAAAYAAAAAAAAAAAAAAADwAAACADAAAAAAAAAAAAAAEAAACgMgAAVgcAAKr4//8BAAAAf39/AAEAAABkAAAAAAAAABQAAABAHwAAAAAAACYAAAAAAAAAwOD//wAAAAAmAAAAZAAAABYAAABMAAAAAAAAAAAAAAAEAAAAAAAAAAEAAADn5uYKAAAAACgAAAAoAAAAZAAAAGQAAAAAAAAAzMzMAAAAAABQAAAAUAAAAGQAAABkAAAAAAAAABcAAAAUAAAAAAAAAAAAAAD/fwAA/38AAAAAAAAJAAAABAAAALsAAAAeAAAAaAAAAAAAAAAAAAAAAAAAAAAAAAAAAAAAECcAABAnAAAAAAAAAAAAAAAAAAAAAAAAAAAAAAAAAAAAAAAAAAAAABQAAAAAAAAAwMD/AAAAAABkAAAAMgAAAAAAAABkAAAAAAAAAH9/fwAKAAAAIgAAABgAAAAAAAAAAAAAAAAAAAAAAAAAAAAAAAAAAAAkAAAAJAAAAAAAAAAHAAAAAAAAAAAAAAAAAAAAAAAAAAAAAAAAAAAAf39/ACUAAABYAAAAAAAAAAAAAAAAAAAAAAAAAAAAAAAAAAAAAAAAAAAAAAAAAAAAAAAAAAAAAAA/AAAAAAAAAKCGAQAAAAAAAAAAAAAAAAAMAAAAAQAAAAAAAAAAAAAAAAAAAB8AAABUAAAAAAAABQAAAAEAAAAAAAAAAAAAAAAAAAAAAAAAAAAAAAAAAAAAAAAAAAAAAAJ/f38AAAAAA8zMzADAwP8Af39/AAAAAAAAAAAAAAAAAAAAAAAAAAAAIQAAABgAAAAUAAAAwAMAAKcWAAB8GQAAUiIAABAAAAAmAAAACAAAAD0gAAAAAAAA"/>
+                <pr:smNativeData xmlns="smNativeData" xmlns:pr="smNativeData" xmlns:p15="http://schemas.microsoft.com/office/powerpoint/2012/main" xmlns:p14="http://schemas.microsoft.com/office/powerpoint/2010/main" xmlns:mc="http://schemas.openxmlformats.org/markup-compatibility/2006" val="SMDATA_15_q5OGZBMAAAAlAAAAZAAAAA0AAAAAAAAAAAAAAAAAAAAAAAAAAAAAAAAAAAAAAAAAAAEAAABQAAAAAAAAAAAA4D8AAAAAAADgPwAAAAAAAOA/AAAAAAAA4D8AAAAAAADgPwAAAAAAAOA/AAAAAAAA4D8AAAAAAADgPwAAAAAAAOA/AAAAAAAA4D8CAAAAjAAAAAAAAAAAAAAARHLEDP///wgAAAAAAAAAAAAAAAAAAAAAAAAAAAAAAAAAAAAAZAAAAAEAAABAAAAAAAAAAAAAAAAAAAAAAAAAAAAAAAAAAAAAAAAAAAAAAAAAAAAAAAAAAAAAAAAAAAAAAAAAAAAAAAAAAAAAAAAAAAAAAAAAAAAAAAAAAAAAAAAAAAAAFAAAADwAAAAAAAAAAAAAAAAAAAkUAAAAAQAAABQAAAAUAAAAFAAAAAEAAAAAAAAAZAAAAGQAAAAAAAAAZAAAAGQAAAAVAAAAYAAAAAAAAAAAAAAADwAAACADAAAAAAAAAAAAAAEAAACgMgAAVgcAAKr4//8BAAAAf39/AAEAAABkAAAAAAAAABQAAABAHwAAAAAAACYAAAAAAAAAwOD//wAAAAAmAAAAZAAAABYAAABMAAAAAAAAAAAAAAAEAAAAAAAAAAEAAADn5uYKAAAAACgAAAAoAAAAZAAAAGQAAAAAAAAAzMzMAAAAAABQAAAAUAAAAGQAAABkAAAAAAAAABcAAAAUAAAAAAAAAAAAAAD/fwAA/38AAAAAAAAJAAAABAAAALsAAAAeAAAAaAAAAAAAAAAAAAAAAAAAAAAAAAAAAAAAECcAABAnAAAAAAAAAAAAAAAAAAAAAAAAAAAAAAAAAAAAAAAAAAAAABQAAAAAAAAAwMD/AAAAAABkAAAAMgAAAAAAAABkAAAAAAAAAH9/fwAKAAAAIgAAABgAAAAAAAAAAAAAAAAAAAAAAAAAAAAAAAAAAAAkAAAAJAAAAAAAAAAHAAAAAAAAAAAAAAAAAAAAAAAAAAAAAAAAAAAAf39/ACUAAABYAAAAAAAAAAAAAAAAAAAAAAAAAAAAAAAAAAAAAAAAAAAAAAAAAAAAAAAAAAAAAAA/AAAAAAAAAKCGAQAAAAAAAAAAAAAAAAAMAAAAAQAAAAAAAAAAAAAAAAAAAB8AAABUAAAAAAAABQAAAAEAAAAAAAAAAAAAAAAAAAAAAAAAAAAAAAAAAAAAAAAAAAAAAAJ/f38AAAAAA8zMzADAwP8Af39/AAAAAAAAAAAAAAAAAAAAAAAAAAAAIQAAABgAAAAUAAAAwAMAAKcWAAB8GQAAUiIAABAAAAAmAAAACAAAAD0gAAAAAAAA"/>
               </a:ext>
             </a:extLst>
           </p:cNvSpPr>
@@ -808,7 +816,7 @@
             <a:spLocks noGrp="1" noChangeArrowheads="1"/>
             <a:extLst>
               <a:ext uri="smNativeData">
-                <pr:smNativeData xmlns:pr="smNativeData" xmlns="smNativeData" val="SMDATA_15_q5OGZBMAAAAlAAAAZAAAAA0AAAAAAAAAAAAAAAAAAAAAAAAAAAAAAAAAAAAAAAAAAAEAAABQAAAAAAAAAAAA4D8AAAAAAADgPwAAAAAAAOA/AAAAAAAA4D8AAAAAAADgPwAAAAAAAOA/AAAAAAAA4D8AAAAAAADgPwAAAAAAAOA/AAAAAAAA4D8CAAAAjAAAAAAAAAAAAAAARHLEDP///wgAAAAAAAAAAAAAAAAAAAAAAAAAAAAAAAAAAAAAZAAAAAEAAABAAAAAAAAAAAAAAAAAAAAAAAAAAAAAAAAAAAAAAAAAAAAAAAAAAAAAAAAAAAAAAAAAAAAAAAAAAAAAAAAAAAAAAAAAAAAAAAAAAAAAAAAAAAAAAAAAAAAAFAAAADwAAAAAAAAAAAAAAAAAAAkUAAAAAQAAABQAAAAUAAAAFAAAAAEAAAAAAAAAZAAAAGQAAAAAAAAAZAAAAGQAAAAVAAAAYAAAAAAAAAAAAAAADwAAACADAAAAAAAAAAAAAAEAAACgMgAAVgcAAKr4//8BAAAAf39/AAEAAABkAAAAAAAAABQAAABAHwAAAAAAACYAAAAAAAAAwOD//wAAAAAmAAAAZAAAABYAAABMAAAAAAAAAAAAAAAEAAAAAAAAAAEAAADn5uYKAAAAACgAAAAoAAAAZAAAAGQAAAAAAAAAzMzMAAAAAABQAAAAUAAAAGQAAABkAAAAAAAAABcAAAAUAAAAAAAAAAAAAAD/fwAA/38AAAAAAAAJAAAABAAAAAAAAAAeAAAAaAAAAAAAAAAAAAAAAAAAAAAAAAAAAAAAECcAABAnAAAAAAAAAAAAAAAAAAAAAAAAAAAAAAAAAAAAAAAAAAAAABQAAAAAAAAAwMD/AAAAAABkAAAAMgAAAAAAAABkAAAAAAAAAH9/fwAKAAAAIgAAABgAAAAAAAAAAAAAAAAAAAAAAAAAAAAAAAAAAAAkAAAAJAAAAAAAAAAHAAAAAAAAAAAAAAAAAAAAAAAAAAAAAAAAAAAAf39/ACUAAABYAAAAAAAAAAAAAAAAAAAAAAAAAAAAAAAAAAAAAAAAAAAAAAAAAAAAAAAAAAAAAAA/AAAAAAAAAKCGAQAAAAAAAAAAAAAAAAAMAAAAAQAAAAAAAAAAAAAAAAAAAB8AAABUAAAAAAAABQAAAAEAAAAAAAAAAAAAAAAAAAAAAAAAAAAAAAAAAAAAAAAAAAAAAAJ/f38AAAAAA8zMzADAwP8Af39/AAAAAAAAAAAAAAAAAAAAAAAAAAAAIQAAABgAAAAUAAAAkxoAAKcWAABOMAAAUiIAABAAAAAmAAAACAAAAD0gAAAAAAAA"/>
+                <pr:smNativeData xmlns="smNativeData" xmlns:pr="smNativeData" xmlns:p15="http://schemas.microsoft.com/office/powerpoint/2012/main" xmlns:p14="http://schemas.microsoft.com/office/powerpoint/2010/main" xmlns:mc="http://schemas.openxmlformats.org/markup-compatibility/2006" val="SMDATA_15_q5OGZBMAAAAlAAAAZAAAAA0AAAAAAAAAAAAAAAAAAAAAAAAAAAAAAAAAAAAAAAAAAAEAAABQAAAAAAAAAAAA4D8AAAAAAADgPwAAAAAAAOA/AAAAAAAA4D8AAAAAAADgPwAAAAAAAOA/AAAAAAAA4D8AAAAAAADgPwAAAAAAAOA/AAAAAAAA4D8CAAAAjAAAAAAAAAAAAAAARHLEDP///wgAAAAAAAAAAAAAAAAAAAAAAAAAAAAAAAAAAAAAZAAAAAEAAABAAAAAAAAAAAAAAAAAAAAAAAAAAAAAAAAAAAAAAAAAAAAAAAAAAAAAAAAAAAAAAAAAAAAAAAAAAAAAAAAAAAAAAAAAAAAAAAAAAAAAAAAAAAAAAAAAAAAAFAAAADwAAAAAAAAAAAAAAAAAAAkUAAAAAQAAABQAAAAUAAAAFAAAAAEAAAAAAAAAZAAAAGQAAAAAAAAAZAAAAGQAAAAVAAAAYAAAAAAAAAAAAAAADwAAACADAAAAAAAAAAAAAAEAAACgMgAAVgcAAKr4//8BAAAAf39/AAEAAABkAAAAAAAAABQAAABAHwAAAAAAACYAAAAAAAAAwOD//wAAAAAmAAAAZAAAABYAAABMAAAAAAAAAAAAAAAEAAAAAAAAAAEAAADn5uYKAAAAACgAAAAoAAAAZAAAAGQAAAAAAAAAzMzMAAAAAABQAAAAUAAAAGQAAABkAAAAAAAAABcAAAAUAAAAAAAAAAAAAAD/fwAA/38AAAAAAAAJAAAABAAAAAAAAAAeAAAAaAAAAAAAAAAAAAAAAAAAAAAAAAAAAAAAECcAABAnAAAAAAAAAAAAAAAAAAAAAAAAAAAAAAAAAAAAAAAAAAAAABQAAAAAAAAAwMD/AAAAAABkAAAAMgAAAAAAAABkAAAAAAAAAH9/fwAKAAAAIgAAABgAAAAAAAAAAAAAAAAAAAAAAAAAAAAAAAAAAAAkAAAAJAAAAAAAAAAHAAAAAAAAAAAAAAAAAAAAAAAAAAAAAAAAAAAAf39/ACUAAABYAAAAAAAAAAAAAAAAAAAAAAAAAAAAAAAAAAAAAAAAAAAAAAAAAAAAAAAAAAAAAAA/AAAAAAAAAKCGAQAAAAAAAAAAAAAAAAAMAAAAAQAAAAAAAAAAAAAAAAAAAB8AAABUAAAAAAAABQAAAAEAAAAAAAAAAAAAAAAAAAAAAAAAAAAAAAAAAAAAAAAAAAAAAAJ/f38AAAAAA8zMzADAwP8Af39/AAAAAAAAAAAAAAAAAAAAAAAAAAAAIQAAABgAAAAUAAAAkxoAAKcWAABOMAAAUiIAABAAAAAmAAAACAAAAD0gAAAAAAAA"/>
               </a:ext>
             </a:extLst>
           </p:cNvSpPr>
@@ -844,7 +852,7 @@
             <a:spLocks noGrp="1" noChangeArrowheads="1"/>
             <a:extLst>
               <a:ext uri="smNativeData">
-                <pr:smNativeData xmlns:pr="smNativeData" xmlns="smNativeData" val="SMDATA_15_q5OGZBMAAAAlAAAAZAAAAA0AAAAAAAAAAAAAAAAAAAAAAAAAAAAAAAAAAAAAAAAAAAEAAABQAAAAAAAAAAAA4D8AAAAAAADgPwAAAAAAAOA/AAAAAAAA4D8AAAAAAADgPwAAAAAAAOA/AAAAAAAA4D8AAAAAAADgPwAAAAAAAOA/AAAAAAAA4D8CAAAAjAAAAAAAAAAAAAAARHLEDP///wgAAAAAAAAAAAAAAAAAAAAAAAAAAAAAAAAAAAAAZAAAAAEAAABAAAAAAAAAAAAAAAAAAAAAAAAAAAAAAAAAAAAAAAAAAAAAAAAAAAAAAAAAAAAAAAAAAAAAAAAAAAAAAAAAAAAAAAAAAAAAAAAAAAAAAAAAAAAAAAAAAAAAFAAAADwAAAAAAAAAAAAAAAAAAAkUAAAAAQAAABQAAAAUAAAAFAAAAAEAAAAAAAAAZAAAAGQAAAAAAAAAZAAAAGQAAAAVAAAAYAAAAAAAAAAAAAAADwAAACADAAAAAAAAAAAAAAEAAACgMgAAVgcAAKr4//8BAAAAf39/AAEAAABkAAAAAAAAABQAAABAHwAAAAAAACYAAAAAAAAAwOD//wAAAAAmAAAAZAAAABYAAABMAAAAAAAAAAAAAAAEAAAAAAAAAAEAAADn5uYKAAAAACgAAAAoAAAAZAAAAGQAAAAAAAAAzMzMAAAAAABQAAAAUAAAAGQAAABkAAAAAAAAABcAAAAUAAAAAAAAAAAAAAD/fwAA/38AAAAAAAAJAAAABAAAABC7ygseAAAAaAAAAAAAAAAAAAAAAAAAAAAAAAAAAAAAECcAABAnAAAAAAAAAAAAAAAAAAAAAAAAAAAAAAAAAAAAAAAAAAAAABQAAAAAAAAAwMD/AAAAAABkAAAAMgAAAAAAAABkAAAAAAAAAH9/fwAKAAAAIgAAABgAAAAAAAAAAAAAAAAAAAAAAAAAAAAAAAAAAAAkAAAAJAAAAAAAAAAHAAAAAAAAAAAAAAAAAAAAAAAAAAAAAAAAAAAAf39/ACUAAABYAAAAAAAAAAAAAAAAAAAAAAAAAAAAAAAAAAAAAAAAAAAAAAAAAAAAAAAAAAAAAAA/AAAAAAAAAKCGAQAAAAAAAAAAAAAAAAAMAAAAAQAAAAAAAAAAAAAAAAAAAB8AAABUAAAAAAAABQAAAAEAAAAAAAAAAAAAAAAAAAAAAAAAAAAAAAAAAAAAAAAAAAAAAAJ/f38AAAAAA8zMzADAwP8Af39/AAAAAAAAAAAAAAAAAAAAAAAAAAAAIQAAABgAAAAUAAAAZTEAAKcWAAAhRwAAUiIAABAAAAAmAAAACAAAAD0gAAAAAAAA"/>
+                <pr:smNativeData xmlns="smNativeData" xmlns:pr="smNativeData" xmlns:p15="http://schemas.microsoft.com/office/powerpoint/2012/main" xmlns:p14="http://schemas.microsoft.com/office/powerpoint/2010/main" xmlns:mc="http://schemas.openxmlformats.org/markup-compatibility/2006" val="SMDATA_15_q5OGZBMAAAAlAAAAZAAAAA0AAAAAAAAAAAAAAAAAAAAAAAAAAAAAAAAAAAAAAAAAAAEAAABQAAAAAAAAAAAA4D8AAAAAAADgPwAAAAAAAOA/AAAAAAAA4D8AAAAAAADgPwAAAAAAAOA/AAAAAAAA4D8AAAAAAADgPwAAAAAAAOA/AAAAAAAA4D8CAAAAjAAAAAAAAAAAAAAARHLEDP///wgAAAAAAAAAAAAAAAAAAAAAAAAAAAAAAAAAAAAAZAAAAAEAAABAAAAAAAAAAAAAAAAAAAAAAAAAAAAAAAAAAAAAAAAAAAAAAAAAAAAAAAAAAAAAAAAAAAAAAAAAAAAAAAAAAAAAAAAAAAAAAAAAAAAAAAAAAAAAAAAAAAAAFAAAADwAAAAAAAAAAAAAAAAAAAkUAAAAAQAAABQAAAAUAAAAFAAAAAEAAAAAAAAAZAAAAGQAAAAAAAAAZAAAAGQAAAAVAAAAYAAAAAAAAAAAAAAADwAAACADAAAAAAAAAAAAAAEAAACgMgAAVgcAAKr4//8BAAAAf39/AAEAAABkAAAAAAAAABQAAABAHwAAAAAAACYAAAAAAAAAwOD//wAAAAAmAAAAZAAAABYAAABMAAAAAAAAAAAAAAAEAAAAAAAAAAEAAADn5uYKAAAAACgAAAAoAAAAZAAAAGQAAAAAAAAAzMzMAAAAAABQAAAAUAAAAGQAAABkAAAAAAAAABcAAAAUAAAAAAAAAAAAAAD/fwAA/38AAAAAAAAJAAAABAAAABC7ygseAAAAaAAAAAAAAAAAAAAAAAAAAAAAAAAAAAAAECcAABAnAAAAAAAAAAAAAAAAAAAAAAAAAAAAAAAAAAAAAAAAAAAAABQAAAAAAAAAwMD/AAAAAABkAAAAMgAAAAAAAABkAAAAAAAAAH9/fwAKAAAAIgAAABgAAAAAAAAAAAAAAAAAAAAAAAAAAAAAAAAAAAAkAAAAJAAAAAAAAAAHAAAAAAAAAAAAAAAAAAAAAAAAAAAAAAAAAAAAf39/ACUAAABYAAAAAAAAAAAAAAAAAAAAAAAAAAAAAAAAAAAAAAAAAAAAAAAAAAAAAAAAAAAAAAA/AAAAAAAAAKCGAQAAAAAAAAAAAAAAAAAMAAAAAQAAAAAAAAAAAAAAAAAAAB8AAABUAAAAAAAABQAAAAEAAAAAAAAAAAAAAAAAAAAAAAAAAAAAAAAAAAAAAAAAAAAAAAJ/f38AAAAAA8zMzADAwP8Af39/AAAAAAAAAAAAAAAAAAAAAAAAAAAAIQAAABgAAAAUAAAAZTEAAKcWAAAhRwAAUiIAABAAAAAmAAAACAAAAD0gAAAAAAAA"/>
               </a:ext>
             </a:extLst>
           </p:cNvSpPr>
@@ -882,7 +890,7 @@
 </file>
 
 <file path=ppt/slideLayouts/slideLayout13.xml><?xml version="1.0" encoding="utf-8"?>
-<p:sldLayout xmlns:p="http://schemas.openxmlformats.org/presentationml/2006/main" xmlns:mc="http://schemas.openxmlformats.org/markup-compatibility/2006" xmlns:p14="http://schemas.microsoft.com/office/powerpoint/2010/main" xmlns:p15="http://schemas.microsoft.com/office/powerpoint/2012/main" xmlns:r="http://schemas.openxmlformats.org/officeDocument/2006/relationships" xmlns:a="http://schemas.openxmlformats.org/drawingml/2006/main" type="blank" preserve="1">
+<p:sldLayout xmlns:a="http://schemas.openxmlformats.org/drawingml/2006/main" xmlns:r="http://schemas.openxmlformats.org/officeDocument/2006/relationships" xmlns:p="http://schemas.openxmlformats.org/presentationml/2006/main" type="blank" preserve="1">
   <p:cSld name="Blank Slide">
     <p:spTree>
       <p:nvGrpSpPr>
@@ -907,7 +915,7 @@
 </file>
 
 <file path=ppt/slideLayouts/slideLayout14.xml><?xml version="1.0" encoding="utf-8"?>
-<p:sldLayout xmlns:p="http://schemas.openxmlformats.org/presentationml/2006/main" xmlns:mc="http://schemas.openxmlformats.org/markup-compatibility/2006" xmlns:p14="http://schemas.microsoft.com/office/powerpoint/2010/main" xmlns:p15="http://schemas.microsoft.com/office/powerpoint/2012/main" xmlns:r="http://schemas.openxmlformats.org/officeDocument/2006/relationships" xmlns:a="http://schemas.openxmlformats.org/drawingml/2006/main" type="tx" preserve="1">
+<p:sldLayout xmlns:a="http://schemas.openxmlformats.org/drawingml/2006/main" xmlns:r="http://schemas.openxmlformats.org/officeDocument/2006/relationships" xmlns:p="http://schemas.openxmlformats.org/presentationml/2006/main" type="tx" preserve="1">
   <p:cSld name="Title Slide">
     <p:spTree>
       <p:nvGrpSpPr>
@@ -930,7 +938,7 @@
             <a:spLocks noGrp="1" noChangeArrowheads="1"/>
             <a:extLst>
               <a:ext uri="smNativeData">
-                <pr:smNativeData xmlns:pr="smNativeData" xmlns="smNativeData" val="SMDATA_15_q5OGZBMAAAAlAAAAZAAAAA0AAAAAAAAAAAAAAAAAAAAAAAAAAAAAAAABAAAAAAAAAAEAAABQAAAAAAAAAAAA4D8AAAAAAADgPwAAAAAAAOA/AAAAAAAA4D8AAAAAAADgPwAAAAAAAOA/AAAAAAAA4D8AAAAAAADgPwAAAAAAAOA/AAAAAAAA4D8CAAAAjAAAAAAAAAAAAAAARHLEDP///wgAAAAAAAAAAAAAAAAAAAAAAAAAAAAAAAAAAAAAZAAAAAEAAABAAAAAAAAAAAAAAAAAAAAAAAAAAAAAAAAAAAAAAAAAAAAAAAAAAAAAAAAAAAAAAAAAAAAAAAAAAAAAAAAAAAAAAAAAAAAAAAAAAAAAAAAAAAAAAAAAAAAAFAAAADwAAAAAAAAAAAAAAAAAAAkUAAAAAQAAABQAAAAUAAAAFAAAAAEAAAAAAAAAZAAAAGQAAAAAAAAAZAAAAGQAAAAVAAAAYAAAAAAAAAAAAAAADwAAACADAAAAAAAAAAAAAAEAAACgMgAAVgcAAKr4//8BAAAAf39/AAEAAABkAAAAAAAAABQAAABAHwAAAAAAACYAAAAAAAAAwOD//wAAAAAmAAAAZAAAABYAAABMAAAAAAAAAAAAAAAEAAAAAAAAAAEAAADn5uYKAAAAACgAAAAoAAAAZAAAAGQAAAAAAAAAzMzMAAAAAABQAAAAUAAAAGQAAABkAAAAAAAAABcAAAAUAAAAAAAAAAAAAAD/fwAA/38AAAAAAAAJAAAABAAAAPz///8eAAAAaAAAAAAAAAAAAAAAAAAAAAAAAAAAAAAAECcAABAnAAAAAAAAAAAAAAAAAAAAAAAAAAAAAAAAAAAAAAAAAAAAABQAAAAAAAAAwMD/AAAAAABkAAAAMgAAAAAAAABkAAAAAAAAAH9/fwAKAAAAIgAAABgAAAAAAAAAAAAAAAAAAAAAAAAAAAAAAAAAAAAkAAAAJAAAAAAAAAAHAAAAAAAAAAAAAAAAAAAAAAAAAAAAAAAAAAAAf39/ACUAAABYAAAAAAAAAAAAAAAAAAAAAAAAAAAAAAAAAAAAAAAAAAAAAAAAAAAAAAAAAAAAAAA/AAAAAAAAAKCGAQAAAAAAAAAAAAAAAAAMAAAAAQAAAAAAAAAAAAAAAAAAAB8AAABUAAAAAAAABQAAAAEAAAAAAAAAAAAAAAAAAAAAAAAAAAAAAAAAAAAAAAAAAAAAAAJ/f38AAAAAA8zMzADAwP8Af39/AAAAAAAAAAAAAAAAAAAAAAAAAAAAIQAAABgAAAAUAAAAwAMAAK8BAAA/RwAAuggAABAAAAAmAAAACAAAAD0gAAAAAAAA"/>
+                <pr:smNativeData xmlns="smNativeData" xmlns:pr="smNativeData" xmlns:p15="http://schemas.microsoft.com/office/powerpoint/2012/main" xmlns:p14="http://schemas.microsoft.com/office/powerpoint/2010/main" xmlns:mc="http://schemas.openxmlformats.org/markup-compatibility/2006" val="SMDATA_15_q5OGZBMAAAAlAAAAZAAAAA0AAAAAAAAAAAAAAAAAAAAAAAAAAAAAAAABAAAAAAAAAAEAAABQAAAAAAAAAAAA4D8AAAAAAADgPwAAAAAAAOA/AAAAAAAA4D8AAAAAAADgPwAAAAAAAOA/AAAAAAAA4D8AAAAAAADgPwAAAAAAAOA/AAAAAAAA4D8CAAAAjAAAAAAAAAAAAAAARHLEDP///wgAAAAAAAAAAAAAAAAAAAAAAAAAAAAAAAAAAAAAZAAAAAEAAABAAAAAAAAAAAAAAAAAAAAAAAAAAAAAAAAAAAAAAAAAAAAAAAAAAAAAAAAAAAAAAAAAAAAAAAAAAAAAAAAAAAAAAAAAAAAAAAAAAAAAAAAAAAAAAAAAAAAAFAAAADwAAAAAAAAAAAAAAAAAAAkUAAAAAQAAABQAAAAUAAAAFAAAAAEAAAAAAAAAZAAAAGQAAAAAAAAAZAAAAGQAAAAVAAAAYAAAAAAAAAAAAAAADwAAACADAAAAAAAAAAAAAAEAAACgMgAAVgcAAKr4//8BAAAAf39/AAEAAABkAAAAAAAAABQAAABAHwAAAAAAACYAAAAAAAAAwOD//wAAAAAmAAAAZAAAABYAAABMAAAAAAAAAAAAAAAEAAAAAAAAAAEAAADn5uYKAAAAACgAAAAoAAAAZAAAAGQAAAAAAAAAzMzMAAAAAABQAAAAUAAAAGQAAABkAAAAAAAAABcAAAAUAAAAAAAAAAAAAAD/fwAA/38AAAAAAAAJAAAABAAAAPz///8eAAAAaAAAAAAAAAAAAAAAAAAAAAAAAAAAAAAAECcAABAnAAAAAAAAAAAAAAAAAAAAAAAAAAAAAAAAAAAAAAAAAAAAABQAAAAAAAAAwMD/AAAAAABkAAAAMgAAAAAAAABkAAAAAAAAAH9/fwAKAAAAIgAAABgAAAAAAAAAAAAAAAAAAAAAAAAAAAAAAAAAAAAkAAAAJAAAAAAAAAAHAAAAAAAAAAAAAAAAAAAAAAAAAAAAAAAAAAAAf39/ACUAAABYAAAAAAAAAAAAAAAAAAAAAAAAAAAAAAAAAAAAAAAAAAAAAAAAAAAAAAAAAAAAAAA/AAAAAAAAAKCGAQAAAAAAAAAAAAAAAAAMAAAAAQAAAAAAAAAAAAAAAAAAAB8AAABUAAAAAAAABQAAAAEAAAAAAAAAAAAAAAAAAAAAAAAAAAAAAAAAAAAAAAAAAAAAAAJ/f38AAAAAA8zMzADAwP8Af39/AAAAAAAAAAAAAAAAAAAAAAAAAAAAIQAAABgAAAAUAAAAwAMAAK8BAAA/RwAAuggAABAAAAAmAAAACAAAAD0gAAAAAAAA"/>
               </a:ext>
             </a:extLst>
           </p:cNvSpPr>
@@ -966,7 +974,7 @@
             <a:spLocks noGrp="1" noChangeArrowheads="1"/>
             <a:extLst>
               <a:ext uri="smNativeData">
-                <pr:smNativeData xmlns:pr="smNativeData" xmlns="smNativeData" val="SMDATA_15_q5OGZBMAAAAlAAAAZAAAAA0AAAAAAAAAAAAAAAAAAAAAAAAAAAAAAAABAAAAAAAAAAEAAABQAAAAAAAAAAAA4D8AAAAAAADgPwAAAAAAAOA/AAAAAAAA4D8AAAAAAADgPwAAAAAAAOA/AAAAAAAA4D8AAAAAAADgPwAAAAAAAOA/AAAAAAAA4D8CAAAAjAAAAAAAAAAAAAAARHLEDP///wgAAAAAAAAAAAAAAAAAAAAAAAAAAAAAAAAAAAAAZAAAAAEAAABAAAAAAAAAAAAAAAAAAAAAAAAAAAAAAAAAAAAAAAAAAAAAAAAAAAAAAAAAAAAAAAAAAAAAAAAAAAAAAAAAAAAAAAAAAAAAAAAAAAAAAAAAAAAAAAAAAAAAFAAAADwAAAAAAAAAAAAAAAAAAAkUAAAAAQAAABQAAAAUAAAAFAAAAAEAAAAAAAAAZAAAAGQAAAAAAAAAZAAAAGQAAAAVAAAAYAAAAAAAAAAAAAAADwAAACADAAAAAAAAAAAAAAEAAACgMgAAVgcAAKr4//8BAAAAf39/AAEAAABkAAAAAAAAABQAAABAHwAAAAAAACYAAAAAAAAAwOD//wAAAAAmAAAAZAAAABYAAABMAAAAAAAAAAAAAAAEAAAAAAAAAAEAAADn5uYKAAAAACgAAAAoAAAAZAAAAGQAAAAAAAAAzMzMAAAAAABQAAAAUAAAAGQAAABkAAAAAAAAABcAAAAUAAAAAAAAAAAAAAD/fwAA/38AAAAAAAAJAAAABAAAAAAAAAAeAAAAaAAAAAAAAAAAAAAAAAAAAAAAAAAAAAAAECcAABAnAAAAAAAAAAAAAAAAAAAAAAAAAAAAAAAAAAAAAAAAAAAAABQAAAAAAAAAwMD/AAAAAABkAAAAMgAAAAAAAABkAAAAAAAAAH9/fwAKAAAAIgAAABgAAAAAAAAAAAAAAAAAAAAAAAAAAAAAAAAAAAAkAAAAJAAAAAAAAAAHAAAAAAAAAAAAAAAAAAAAAAAAAAAAAAAAAAAAf39/ACUAAABYAAAAAAAAAAAAAAAAAAAAAAAAAAAAAAAAAAAAAAAAAAAAAAAAAAAAAAAAAAAAAAA/AAAAAAAAAKCGAQAAAAAAAAAAAAAAAAAMAAAAAQAAAAAAAAAAAAAAAAAAAB8AAABUAAAAAAAABQAAAAEAAAAAAAAAAAAAAAAAAAAAAAAAAAAAAAAAAAAAAAAAAAAAAAJ/f38AAAAAA8zMzADAwP8Af39/AAAAAAAAAAAAAAAAAAAAAAAAAAAAIQAAABgAAAAUAAAAwAMAAN8JAAA/RwAAViIAABAAAAAmAAAACAAAALwgAAAAAAAA"/>
+                <pr:smNativeData xmlns="smNativeData" xmlns:pr="smNativeData" xmlns:p15="http://schemas.microsoft.com/office/powerpoint/2012/main" xmlns:p14="http://schemas.microsoft.com/office/powerpoint/2010/main" xmlns:mc="http://schemas.openxmlformats.org/markup-compatibility/2006" val="SMDATA_15_q5OGZBMAAAAlAAAAZAAAAA0AAAAAAAAAAAAAAAAAAAAAAAAAAAAAAAABAAAAAAAAAAEAAABQAAAAAAAAAAAA4D8AAAAAAADgPwAAAAAAAOA/AAAAAAAA4D8AAAAAAADgPwAAAAAAAOA/AAAAAAAA4D8AAAAAAADgPwAAAAAAAOA/AAAAAAAA4D8CAAAAjAAAAAAAAAAAAAAARHLEDP///wgAAAAAAAAAAAAAAAAAAAAAAAAAAAAAAAAAAAAAZAAAAAEAAABAAAAAAAAAAAAAAAAAAAAAAAAAAAAAAAAAAAAAAAAAAAAAAAAAAAAAAAAAAAAAAAAAAAAAAAAAAAAAAAAAAAAAAAAAAAAAAAAAAAAAAAAAAAAAAAAAAAAAFAAAADwAAAAAAAAAAAAAAAAAAAkUAAAAAQAAABQAAAAUAAAAFAAAAAEAAAAAAAAAZAAAAGQAAAAAAAAAZAAAAGQAAAAVAAAAYAAAAAAAAAAAAAAADwAAACADAAAAAAAAAAAAAAEAAACgMgAAVgcAAKr4//8BAAAAf39/AAEAAABkAAAAAAAAABQAAABAHwAAAAAAACYAAAAAAAAAwOD//wAAAAAmAAAAZAAAABYAAABMAAAAAAAAAAAAAAAEAAAAAAAAAAEAAADn5uYKAAAAACgAAAAoAAAAZAAAAGQAAAAAAAAAzMzMAAAAAABQAAAAUAAAAGQAAABkAAAAAAAAABcAAAAUAAAAAAAAAAAAAAD/fwAA/38AAAAAAAAJAAAABAAAAAAAAAAeAAAAaAAAAAAAAAAAAAAAAAAAAAAAAAAAAAAAECcAABAnAAAAAAAAAAAAAAAAAAAAAAAAAAAAAAAAAAAAAAAAAAAAABQAAAAAAAAAwMD/AAAAAABkAAAAMgAAAAAAAABkAAAAAAAAAH9/fwAKAAAAIgAAABgAAAAAAAAAAAAAAAAAAAAAAAAAAAAAAAAAAAAkAAAAJAAAAAAAAAAHAAAAAAAAAAAAAAAAAAAAAAAAAAAAAAAAAAAAf39/ACUAAABYAAAAAAAAAAAAAAAAAAAAAAAAAAAAAAAAAAAAAAAAAAAAAAAAAAAAAAAAAAAAAAA/AAAAAAAAAKCGAQAAAAAAAAAAAAAAAAAMAAAAAQAAAAAAAAAAAAAAAAAAAB8AAABUAAAAAAAABQAAAAEAAAAAAAAAAAAAAAAAAAAAAAAAAAAAAAAAAAAAAAAAAAAAAAJ/f38AAAAAA8zMzADAwP8Af39/AAAAAAAAAAAAAAAAAAAAAAAAAAAAIQAAABgAAAAUAAAAwAMAAN8JAAA/RwAAViIAABAAAAAmAAAACAAAALwgAAAAAAAA"/>
               </a:ext>
             </a:extLst>
           </p:cNvSpPr>
@@ -999,7 +1007,7 @@
 </file>
 
 <file path=ppt/slideLayouts/slideLayout15.xml><?xml version="1.0" encoding="utf-8"?>
-<p:sldLayout xmlns:p="http://schemas.openxmlformats.org/presentationml/2006/main" xmlns:mc="http://schemas.openxmlformats.org/markup-compatibility/2006" xmlns:p14="http://schemas.microsoft.com/office/powerpoint/2010/main" xmlns:p15="http://schemas.microsoft.com/office/powerpoint/2012/main" xmlns:r="http://schemas.openxmlformats.org/officeDocument/2006/relationships" xmlns:a="http://schemas.openxmlformats.org/drawingml/2006/main" type="obj" preserve="1">
+<p:sldLayout xmlns:a="http://schemas.openxmlformats.org/drawingml/2006/main" xmlns:r="http://schemas.openxmlformats.org/officeDocument/2006/relationships" xmlns:p="http://schemas.openxmlformats.org/presentationml/2006/main" type="obj" preserve="1">
   <p:cSld name="Title, Content">
     <p:spTree>
       <p:nvGrpSpPr>
@@ -1022,7 +1030,7 @@
             <a:spLocks noGrp="1" noChangeArrowheads="1"/>
             <a:extLst>
               <a:ext uri="smNativeData">
-                <pr:smNativeData xmlns:pr="smNativeData" xmlns="smNativeData" val="SMDATA_15_q5OGZBMAAAAlAAAAZAAAAA0AAAAAAAAAAAAAAAAAAAAAAAAAAAAAAAABAAAAAAAAAAEAAABQAAAAAAAAAAAA4D8AAAAAAADgPwAAAAAAAOA/AAAAAAAA4D8AAAAAAADgPwAAAAAAAOA/AAAAAAAA4D8AAAAAAADgPwAAAAAAAOA/AAAAAAAA4D8CAAAAjAAAAAAAAAAAAAAARHLEDP///wgAAAAAAAAAAAAAAAAAAAAAAAAAAAAAAAAAAAAAZAAAAAEAAABAAAAAAAAAAAAAAAAAAAAAAAAAAAAAAAAAAAAAAAAAAAAAAAAAAAAAAAAAAAAAAAAAAAAAAAAAAAAAAAAAAAAAAAAAAAAAAAAAAAAAAAAAAAAAAAAAAAAAFAAAADwAAAAAAAAAAAAAAAAAAAkUAAAAAQAAABQAAAAUAAAAFAAAAAEAAAAAAAAAZAAAAGQAAAAAAAAAZAAAAGQAAAAVAAAAYAAAAAAAAAAAAAAADwAAACADAAAAAAAAAAAAAAEAAACgMgAAVgcAAKr4//8BAAAAf39/AAEAAABkAAAAAAAAABQAAABAHwAAAAAAACYAAAAAAAAAwOD//wAAAAAmAAAAZAAAABYAAABMAAAAAAAAAAAAAAAEAAAAAAAAAAEAAADn5uYKAAAAACgAAAAoAAAAZAAAAGQAAAAAAAAAzMzMAAAAAABQAAAAUAAAAGQAAABkAAAAAAAAABcAAAAUAAAAAAAAAAAAAAD/fwAA/38AAAAAAAAJAAAABAAAAFDpcgAeAAAAaAAAAAAAAAAAAAAAAAAAAAAAAAAAAAAAECcAABAnAAAAAAAAAAAAAAAAAAAAAAAAAAAAAAAAAAAAAAAAAAAAABQAAAAAAAAAwMD/AAAAAABkAAAAMgAAAAAAAABkAAAAAAAAAH9/fwAKAAAAIgAAABgAAAAAAAAAAAAAAAAAAAAAAAAAAAAAAAAAAAAkAAAAJAAAAAAAAAAHAAAAAAAAAAAAAAAAAAAAAAAAAAAAAAAAAAAAf39/ACUAAABYAAAAAAAAAAAAAAAAAAAAAAAAAAAAAAAAAAAAAAAAAAAAAAAAAAAAAAAAAAAAAAA/AAAAAAAAAKCGAQAAAAAAAAAAAAAAAAAMAAAAAQAAAAAAAAAAAAAAAAAAAB8AAABUAAAAAAAABQAAAAEAAAAAAAAAAAAAAAAAAAAAAAAAAAAAAAAAAAAAAAAAAAAAAAJ/f38AAAAAA8zMzADAwP8Af39/AAAAAAAAAAAAAAAAAAAAAAAAAAAAIQAAABgAAAAUAAAAwAMAAK8BAAA/RwAAuggAABAAAAAmAAAACAAAAD0gAAAAAAAA"/>
+                <pr:smNativeData xmlns="smNativeData" xmlns:pr="smNativeData" xmlns:p15="http://schemas.microsoft.com/office/powerpoint/2012/main" xmlns:p14="http://schemas.microsoft.com/office/powerpoint/2010/main" xmlns:mc="http://schemas.openxmlformats.org/markup-compatibility/2006" val="SMDATA_15_q5OGZBMAAAAlAAAAZAAAAA0AAAAAAAAAAAAAAAAAAAAAAAAAAAAAAAABAAAAAAAAAAEAAABQAAAAAAAAAAAA4D8AAAAAAADgPwAAAAAAAOA/AAAAAAAA4D8AAAAAAADgPwAAAAAAAOA/AAAAAAAA4D8AAAAAAADgPwAAAAAAAOA/AAAAAAAA4D8CAAAAjAAAAAAAAAAAAAAARHLEDP///wgAAAAAAAAAAAAAAAAAAAAAAAAAAAAAAAAAAAAAZAAAAAEAAABAAAAAAAAAAAAAAAAAAAAAAAAAAAAAAAAAAAAAAAAAAAAAAAAAAAAAAAAAAAAAAAAAAAAAAAAAAAAAAAAAAAAAAAAAAAAAAAAAAAAAAAAAAAAAAAAAAAAAFAAAADwAAAAAAAAAAAAAAAAAAAkUAAAAAQAAABQAAAAUAAAAFAAAAAEAAAAAAAAAZAAAAGQAAAAAAAAAZAAAAGQAAAAVAAAAYAAAAAAAAAAAAAAADwAAACADAAAAAAAAAAAAAAEAAACgMgAAVgcAAKr4//8BAAAAf39/AAEAAABkAAAAAAAAABQAAABAHwAAAAAAACYAAAAAAAAAwOD//wAAAAAmAAAAZAAAABYAAABMAAAAAAAAAAAAAAAEAAAAAAAAAAEAAADn5uYKAAAAACgAAAAoAAAAZAAAAGQAAAAAAAAAzMzMAAAAAABQAAAAUAAAAGQAAABkAAAAAAAAABcAAAAUAAAAAAAAAAAAAAD/fwAA/38AAAAAAAAJAAAABAAAAFDpcgAeAAAAaAAAAAAAAAAAAAAAAAAAAAAAAAAAAAAAECcAABAnAAAAAAAAAAAAAAAAAAAAAAAAAAAAAAAAAAAAAAAAAAAAABQAAAAAAAAAwMD/AAAAAABkAAAAMgAAAAAAAABkAAAAAAAAAH9/fwAKAAAAIgAAABgAAAAAAAAAAAAAAAAAAAAAAAAAAAAAAAAAAAAkAAAAJAAAAAAAAAAHAAAAAAAAAAAAAAAAAAAAAAAAAAAAAAAAAAAAf39/ACUAAABYAAAAAAAAAAAAAAAAAAAAAAAAAAAAAAAAAAAAAAAAAAAAAAAAAAAAAAAAAAAAAAA/AAAAAAAAAKCGAQAAAAAAAAAAAAAAAAAMAAAAAQAAAAAAAAAAAAAAAAAAAB8AAABUAAAAAAAABQAAAAEAAAAAAAAAAAAAAAAAAAAAAAAAAAAAAAAAAAAAAAAAAAAAAAJ/f38AAAAAA8zMzADAwP8Af39/AAAAAAAAAAAAAAAAAAAAAAAAAAAAIQAAABgAAAAUAAAAwAMAAK8BAAA/RwAAuggAABAAAAAmAAAACAAAAD0gAAAAAAAA"/>
               </a:ext>
             </a:extLst>
           </p:cNvSpPr>
@@ -1058,7 +1066,7 @@
             <a:spLocks noGrp="1" noChangeArrowheads="1"/>
             <a:extLst>
               <a:ext uri="smNativeData">
-                <pr:smNativeData xmlns:pr="smNativeData" xmlns="smNativeData" val="SMDATA_15_q5OGZBMAAAAlAAAAZAAAAA0AAAAAAAAAAAAAAAAAAAAAAAAAAAAAAAAAAAAAAAAAAAEAAABQAAAAAAAAAAAA4D8AAAAAAADgPwAAAAAAAOA/AAAAAAAA4D8AAAAAAADgPwAAAAAAAOA/AAAAAAAA4D8AAAAAAADgPwAAAAAAAOA/AAAAAAAA4D8CAAAAjAAAAAAAAAAAAAAARHLEDP///wgAAAAAAAAAAAAAAAAAAAAAAAAAAAAAAAAAAAAAZAAAAAEAAABAAAAAAAAAAAAAAAAAAAAAAAAAAAAAAAAAAAAAAAAAAAAAAAAAAAAAAAAAAAAAAAAAAAAAAAAAAAAAAAAAAAAAAAAAAAAAAAAAAAAAAAAAAAAAAAAAAAAAFAAAADwAAAAAAAAAAAAAAAAAAAkUAAAAAQAAABQAAAAUAAAAFAAAAAEAAAAAAAAAZAAAAGQAAAAAAAAAZAAAAGQAAAAVAAAAYAAAAAAAAAAAAAAADwAAACADAAAAAAAAAAAAAAEAAACgMgAAVgcAAKr4//8BAAAAf39/AAEAAABkAAAAAAAAABQAAABAHwAAAAAAACYAAAAAAAAAwOD//wAAAAAmAAAAZAAAABYAAABMAAAAAAAAAAAAAAAEAAAAAAAAAAEAAADn5uYKAAAAACgAAAAoAAAAZAAAAGQAAAAAAAAAzMzMAAAAAABQAAAAUAAAAGQAAABkAAAAAAAAABcAAAAUAAAAAAAAAAAAAAD/fwAA/38AAAAAAAAJAAAABAAAAAAAAAAeAAAAaAAAAAAAAAAAAAAAAAAAAAAAAAAAAAAAECcAABAnAAAAAAAAAAAAAAAAAAAAAAAAAAAAAAAAAAAAAAAAAAAAABQAAAAAAAAAwMD/AAAAAABkAAAAMgAAAAAAAABkAAAAAAAAAH9/fwAKAAAAIgAAABgAAAAAAAAAAAAAAAAAAAAAAAAAAAAAAAAAAAAkAAAAJAAAAAAAAAAHAAAAAAAAAAAAAAAAAAAAAAAAAAAAAAAAAAAAf39/ACUAAABYAAAAAAAAAAAAAAAAAAAAAAAAAAAAAAAAAAAAAAAAAAAAAAAAAAAAAAAAAAAAAAA/AAAAAAAAAKCGAQAAAAAAAAAAAAAAAAAMAAAAAQAAAAAAAAAAAAAAAAAAAB8AAABUAAAAAAAABQAAAAEAAAAAAAAAAAAAAAAAAAAAAAAAAAAAAAAAAAAAAAAAAAAAAAJ/f38AAAAAA8zMzADAwP8Af39/AAAAAAAAAAAAAAAAAAAAAAAAAAAAIQAAABgAAAAUAAAAwAMAAN8JAAA/RwAAViIAABAAAAAmAAAACAAAADwgAAAAAAAA"/>
+                <pr:smNativeData xmlns="smNativeData" xmlns:pr="smNativeData" xmlns:p15="http://schemas.microsoft.com/office/powerpoint/2012/main" xmlns:p14="http://schemas.microsoft.com/office/powerpoint/2010/main" xmlns:mc="http://schemas.openxmlformats.org/markup-compatibility/2006" val="SMDATA_15_q5OGZBMAAAAlAAAAZAAAAA0AAAAAAAAAAAAAAAAAAAAAAAAAAAAAAAAAAAAAAAAAAAEAAABQAAAAAAAAAAAA4D8AAAAAAADgPwAAAAAAAOA/AAAAAAAA4D8AAAAAAADgPwAAAAAAAOA/AAAAAAAA4D8AAAAAAADgPwAAAAAAAOA/AAAAAAAA4D8CAAAAjAAAAAAAAAAAAAAARHLEDP///wgAAAAAAAAAAAAAAAAAAAAAAAAAAAAAAAAAAAAAZAAAAAEAAABAAAAAAAAAAAAAAAAAAAAAAAAAAAAAAAAAAAAAAAAAAAAAAAAAAAAAAAAAAAAAAAAAAAAAAAAAAAAAAAAAAAAAAAAAAAAAAAAAAAAAAAAAAAAAAAAAAAAAFAAAADwAAAAAAAAAAAAAAAAAAAkUAAAAAQAAABQAAAAUAAAAFAAAAAEAAAAAAAAAZAAAAGQAAAAAAAAAZAAAAGQAAAAVAAAAYAAAAAAAAAAAAAAADwAAACADAAAAAAAAAAAAAAEAAACgMgAAVgcAAKr4//8BAAAAf39/AAEAAABkAAAAAAAAABQAAABAHwAAAAAAACYAAAAAAAAAwOD//wAAAAAmAAAAZAAAABYAAABMAAAAAAAAAAAAAAAEAAAAAAAAAAEAAADn5uYKAAAAACgAAAAoAAAAZAAAAGQAAAAAAAAAzMzMAAAAAABQAAAAUAAAAGQAAABkAAAAAAAAABcAAAAUAAAAAAAAAAAAAAD/fwAA/38AAAAAAAAJAAAABAAAAAAAAAAeAAAAaAAAAAAAAAAAAAAAAAAAAAAAAAAAAAAAECcAABAnAAAAAAAAAAAAAAAAAAAAAAAAAAAAAAAAAAAAAAAAAAAAABQAAAAAAAAAwMD/AAAAAABkAAAAMgAAAAAAAABkAAAAAAAAAH9/fwAKAAAAIgAAABgAAAAAAAAAAAAAAAAAAAAAAAAAAAAAAAAAAAAkAAAAJAAAAAAAAAAHAAAAAAAAAAAAAAAAAAAAAAAAAAAAAAAAAAAAf39/ACUAAABYAAAAAAAAAAAAAAAAAAAAAAAAAAAAAAAAAAAAAAAAAAAAAAAAAAAAAAAAAAAAAAA/AAAAAAAAAKCGAQAAAAAAAAAAAAAAAAAMAAAAAQAAAAAAAAAAAAAAAAAAAB8AAABUAAAAAAAABQAAAAEAAAAAAAAAAAAAAAAAAAAAAAAAAAAAAAAAAAAAAAAAAAAAAAJ/f38AAAAAA8zMzADAwP8Af39/AAAAAAAAAAAAAAAAAAAAAAAAAAAAIQAAABgAAAAUAAAAwAMAAN8JAAA/RwAAViIAABAAAAAmAAAACAAAADwgAAAAAAAA"/>
               </a:ext>
             </a:extLst>
           </p:cNvSpPr>
@@ -1091,7 +1099,7 @@
 </file>
 
 <file path=ppt/slideLayouts/slideLayout16.xml><?xml version="1.0" encoding="utf-8"?>
-<p:sldLayout xmlns:p="http://schemas.openxmlformats.org/presentationml/2006/main" xmlns:mc="http://schemas.openxmlformats.org/markup-compatibility/2006" xmlns:p14="http://schemas.microsoft.com/office/powerpoint/2010/main" xmlns:p15="http://schemas.microsoft.com/office/powerpoint/2012/main" xmlns:r="http://schemas.openxmlformats.org/officeDocument/2006/relationships" xmlns:a="http://schemas.openxmlformats.org/drawingml/2006/main" type="twoObj" preserve="1">
+<p:sldLayout xmlns:a="http://schemas.openxmlformats.org/drawingml/2006/main" xmlns:r="http://schemas.openxmlformats.org/officeDocument/2006/relationships" xmlns:p="http://schemas.openxmlformats.org/presentationml/2006/main" type="twoObj" preserve="1">
   <p:cSld name="Title, 2 Content">
     <p:spTree>
       <p:nvGrpSpPr>
@@ -1114,7 +1122,7 @@
             <a:spLocks noGrp="1" noChangeArrowheads="1"/>
             <a:extLst>
               <a:ext uri="smNativeData">
-                <pr:smNativeData xmlns:pr="smNativeData" xmlns="smNativeData" val="SMDATA_15_q5OGZBMAAAAlAAAAZAAAAA0AAAAAAAAAAAAAAAAAAAAAAAAAAAAAAAABAAAAAAAAAAEAAABQAAAAAAAAAAAA4D8AAAAAAADgPwAAAAAAAOA/AAAAAAAA4D8AAAAAAADgPwAAAAAAAOA/AAAAAAAA4D8AAAAAAADgPwAAAAAAAOA/AAAAAAAA4D8CAAAAjAAAAAAAAAAAAAAARHLEDP///wgAAAAAAAAAAAAAAAAAAAAAAAAAAAAAAAAAAAAAZAAAAAEAAABAAAAAAAAAAAAAAAAAAAAAAAAAAAAAAAAAAAAAAAAAAAAAAAAAAAAAAAAAAAAAAAAAAAAAAAAAAAAAAAAAAAAAAAAAAAAAAAAAAAAAAAAAAAAAAAAAAAAAFAAAADwAAAAAAAAAAAAAAAAAAAkUAAAAAQAAABQAAAAUAAAAFAAAAAEAAAAAAAAAZAAAAGQAAAAAAAAAZAAAAGQAAAAVAAAAYAAAAAAAAAAAAAAADwAAACADAAAAAAAAAAAAAAEAAACgMgAAVgcAAKr4//8BAAAAf39/AAEAAABkAAAAAAAAABQAAABAHwAAAAAAACYAAAAAAAAAwOD//wAAAAAmAAAAZAAAABYAAABMAAAAAAAAAAAAAAAEAAAAAAAAAAEAAADn5uYKAAAAACgAAAAoAAAAZAAAAGQAAAAAAAAAzMzMAAAAAABQAAAAUAAAAGQAAABkAAAAAAAAABcAAAAUAAAAAAAAAAAAAAD/fwAA/38AAAAAAAAJAAAABAAAAAZgxwEeAAAAaAAAAAAAAAAAAAAAAAAAAAAAAAAAAAAAECcAABAnAAAAAAAAAAAAAAAAAAAAAAAAAAAAAAAAAAAAAAAAAAAAABQAAAAAAAAAwMD/AAAAAABkAAAAMgAAAAAAAABkAAAAAAAAAH9/fwAKAAAAIgAAABgAAAAAAAAAAAAAAAAAAAAAAAAAAAAAAAAAAAAkAAAAJAAAAAAAAAAHAAAAAAAAAAAAAAAAAAAAAAAAAAAAAAAAAAAAf39/ACUAAABYAAAAAAAAAAAAAAAAAAAAAAAAAAAAAAAAAAAAAAAAAAAAAAAAAAAAAAAAAAAAAAA/AAAAAAAAAKCGAQAAAAAAAAAAAAAAAAAMAAAAAQAAAAAAAAAAAAAAAAAAAB8AAABUAAAAAAAABQAAAAEAAAAAAAAAAAAAAAAAAAAAAAAAAAAAAAAAAAAAAAAAAAAAAAJ/f38AAAAAA8zMzADAwP8Af39/AAAAAAAAAAAAAAAAAAAAAAAAAAAAIQAAABgAAAAUAAAAwAMAAK8BAAA/RwAAuggAABAAAAAmAAAACAAAAD0gAAAAAAAA"/>
+                <pr:smNativeData xmlns="smNativeData" xmlns:pr="smNativeData" xmlns:p15="http://schemas.microsoft.com/office/powerpoint/2012/main" xmlns:p14="http://schemas.microsoft.com/office/powerpoint/2010/main" xmlns:mc="http://schemas.openxmlformats.org/markup-compatibility/2006" val="SMDATA_15_q5OGZBMAAAAlAAAAZAAAAA0AAAAAAAAAAAAAAAAAAAAAAAAAAAAAAAABAAAAAAAAAAEAAABQAAAAAAAAAAAA4D8AAAAAAADgPwAAAAAAAOA/AAAAAAAA4D8AAAAAAADgPwAAAAAAAOA/AAAAAAAA4D8AAAAAAADgPwAAAAAAAOA/AAAAAAAA4D8CAAAAjAAAAAAAAAAAAAAARHLEDP///wgAAAAAAAAAAAAAAAAAAAAAAAAAAAAAAAAAAAAAZAAAAAEAAABAAAAAAAAAAAAAAAAAAAAAAAAAAAAAAAAAAAAAAAAAAAAAAAAAAAAAAAAAAAAAAAAAAAAAAAAAAAAAAAAAAAAAAAAAAAAAAAAAAAAAAAAAAAAAAAAAAAAAFAAAADwAAAAAAAAAAAAAAAAAAAkUAAAAAQAAABQAAAAUAAAAFAAAAAEAAAAAAAAAZAAAAGQAAAAAAAAAZAAAAGQAAAAVAAAAYAAAAAAAAAAAAAAADwAAACADAAAAAAAAAAAAAAEAAACgMgAAVgcAAKr4//8BAAAAf39/AAEAAABkAAAAAAAAABQAAABAHwAAAAAAACYAAAAAAAAAwOD//wAAAAAmAAAAZAAAABYAAABMAAAAAAAAAAAAAAAEAAAAAAAAAAEAAADn5uYKAAAAACgAAAAoAAAAZAAAAGQAAAAAAAAAzMzMAAAAAABQAAAAUAAAAGQAAABkAAAAAAAAABcAAAAUAAAAAAAAAAAAAAD/fwAA/38AAAAAAAAJAAAABAAAAAZgxwEeAAAAaAAAAAAAAAAAAAAAAAAAAAAAAAAAAAAAECcAABAnAAAAAAAAAAAAAAAAAAAAAAAAAAAAAAAAAAAAAAAAAAAAABQAAAAAAAAAwMD/AAAAAABkAAAAMgAAAAAAAABkAAAAAAAAAH9/fwAKAAAAIgAAABgAAAAAAAAAAAAAAAAAAAAAAAAAAAAAAAAAAAAkAAAAJAAAAAAAAAAHAAAAAAAAAAAAAAAAAAAAAAAAAAAAAAAAAAAAf39/ACUAAABYAAAAAAAAAAAAAAAAAAAAAAAAAAAAAAAAAAAAAAAAAAAAAAAAAAAAAAAAAAAAAAA/AAAAAAAAAKCGAQAAAAAAAAAAAAAAAAAMAAAAAQAAAAAAAAAAAAAAAAAAAB8AAABUAAAAAAAABQAAAAEAAAAAAAAAAAAAAAAAAAAAAAAAAAAAAAAAAAAAAAAAAAAAAAJ/f38AAAAAA8zMzADAwP8Af39/AAAAAAAAAAAAAAAAAAAAAAAAAAAAIQAAABgAAAAUAAAAwAMAAK8BAAA/RwAAuggAABAAAAAmAAAACAAAAD0gAAAAAAAA"/>
               </a:ext>
             </a:extLst>
           </p:cNvSpPr>
@@ -1150,7 +1158,7 @@
             <a:spLocks noGrp="1" noChangeArrowheads="1"/>
             <a:extLst>
               <a:ext uri="smNativeData">
-                <pr:smNativeData xmlns:pr="smNativeData" xmlns="smNativeData" val="SMDATA_15_q5OGZBMAAAAlAAAAZAAAAA0AAAAAAAAAAAAAAAAAAAAAAAAAAAAAAAAAAAAAAAAAAAEAAABQAAAAAAAAAAAA4D8AAAAAAADgPwAAAAAAAOA/AAAAAAAA4D8AAAAAAADgPwAAAAAAAOA/AAAAAAAA4D8AAAAAAADgPwAAAAAAAOA/AAAAAAAA4D8CAAAAjAAAAAAAAAAAAAAARHLEDP///wgAAAAAAAAAAAAAAAAAAAAAAAAAAAAAAAAAAAAAZAAAAAEAAABAAAAAAAAAAAAAAAAAAAAAAAAAAAAAAAAAAAAAAAAAAAAAAAAAAAAAAAAAAAAAAAAAAAAAAAAAAAAAAAAAAAAAAAAAAAAAAAAAAAAAAAAAAAAAAAAAAAAAFAAAADwAAAAAAAAAAAAAAAAAAAkUAAAAAQAAABQAAAAUAAAAFAAAAAEAAAAAAAAAZAAAAGQAAAAAAAAAZAAAAGQAAAAVAAAAYAAAAAAAAAAAAAAADwAAACADAAAAAAAAAAAAAAEAAACgMgAAVgcAAKr4//8BAAAAf39/AAEAAABkAAAAAAAAABQAAABAHwAAAAAAACYAAAAAAAAAwOD//wAAAAAmAAAAZAAAABYAAABMAAAAAAAAAAAAAAAEAAAAAAAAAAEAAADn5uYKAAAAACgAAAAoAAAAZAAAAGQAAAAAAAAAzMzMAAAAAABQAAAAUAAAAGQAAABkAAAAAAAAABcAAAAUAAAAAAAAAAAAAAD/fwAA/38AAAAAAAAJAAAABAAAAGV0AAYeAAAAaAAAAAAAAAAAAAAAAAAAAAAAAAAAAAAAECcAABAnAAAAAAAAAAAAAAAAAAAAAAAAAAAAAAAAAAAAAAAAAAAAABQAAAAAAAAAwMD/AAAAAABkAAAAMgAAAAAAAABkAAAAAAAAAH9/fwAKAAAAIgAAABgAAAAAAAAAAAAAAAAAAAAAAAAAAAAAAAAAAAAkAAAAJAAAAAAAAAAHAAAAAAAAAAAAAAAAAAAAAAAAAAAAAAAAAAAAf39/ACUAAABYAAAAAAAAAAAAAAAAAAAAAAAAAAAAAAAAAAAAAAAAAAAAAAAAAAAAAAAAAAAAAAA/AAAAAAAAAKCGAQAAAAAAAAAAAAAAAAAMAAAAAQAAAAAAAAAAAAAAAAAAAB8AAABUAAAAAAAABQAAAAEAAAAAAAAAAAAAAAAAAAAAAAAAAAAAAAAAAAAAAAAAAAAAAAJ/f38AAAAAA8zMzADAwP8Af39/AAAAAAAAAAAAAAAAAAAAAAAAAAAAIQAAABgAAAAUAAAAwAMAAN8JAACwJAAAViIAABAAAAAmAAAACAAAAD0gAAAAAAAA"/>
+                <pr:smNativeData xmlns="smNativeData" xmlns:pr="smNativeData" xmlns:p15="http://schemas.microsoft.com/office/powerpoint/2012/main" xmlns:p14="http://schemas.microsoft.com/office/powerpoint/2010/main" xmlns:mc="http://schemas.openxmlformats.org/markup-compatibility/2006" val="SMDATA_15_q5OGZBMAAAAlAAAAZAAAAA0AAAAAAAAAAAAAAAAAAAAAAAAAAAAAAAAAAAAAAAAAAAEAAABQAAAAAAAAAAAA4D8AAAAAAADgPwAAAAAAAOA/AAAAAAAA4D8AAAAAAADgPwAAAAAAAOA/AAAAAAAA4D8AAAAAAADgPwAAAAAAAOA/AAAAAAAA4D8CAAAAjAAAAAAAAAAAAAAARHLEDP///wgAAAAAAAAAAAAAAAAAAAAAAAAAAAAAAAAAAAAAZAAAAAEAAABAAAAAAAAAAAAAAAAAAAAAAAAAAAAAAAAAAAAAAAAAAAAAAAAAAAAAAAAAAAAAAAAAAAAAAAAAAAAAAAAAAAAAAAAAAAAAAAAAAAAAAAAAAAAAAAAAAAAAFAAAADwAAAAAAAAAAAAAAAAAAAkUAAAAAQAAABQAAAAUAAAAFAAAAAEAAAAAAAAAZAAAAGQAAAAAAAAAZAAAAGQAAAAVAAAAYAAAAAAAAAAAAAAADwAAACADAAAAAAAAAAAAAAEAAACgMgAAVgcAAKr4//8BAAAAf39/AAEAAABkAAAAAAAAABQAAABAHwAAAAAAACYAAAAAAAAAwOD//wAAAAAmAAAAZAAAABYAAABMAAAAAAAAAAAAAAAEAAAAAAAAAAEAAADn5uYKAAAAACgAAAAoAAAAZAAAAGQAAAAAAAAAzMzMAAAAAABQAAAAUAAAAGQAAABkAAAAAAAAABcAAAAUAAAAAAAAAAAAAAD/fwAA/38AAAAAAAAJAAAABAAAAGV0AAYeAAAAaAAAAAAAAAAAAAAAAAAAAAAAAAAAAAAAECcAABAnAAAAAAAAAAAAAAAAAAAAAAAAAAAAAAAAAAAAAAAAAAAAABQAAAAAAAAAwMD/AAAAAABkAAAAMgAAAAAAAABkAAAAAAAAAH9/fwAKAAAAIgAAABgAAAAAAAAAAAAAAAAAAAAAAAAAAAAAAAAAAAAkAAAAJAAAAAAAAAAHAAAAAAAAAAAAAAAAAAAAAAAAAAAAAAAAAAAAf39/ACUAAABYAAAAAAAAAAAAAAAAAAAAAAAAAAAAAAAAAAAAAAAAAAAAAAAAAAAAAAAAAAAAAAA/AAAAAAAAAKCGAQAAAAAAAAAAAAAAAAAMAAAAAQAAAAAAAAAAAAAAAAAAAB8AAABUAAAAAAAABQAAAAEAAAAAAAAAAAAAAAAAAAAAAAAAAAAAAAAAAAAAAAAAAAAAAAJ/f38AAAAAA8zMzADAwP8Af39/AAAAAAAAAAAAAAAAAAAAAAAAAAAAIQAAABgAAAAUAAAAwAMAAN8JAACwJAAAViIAABAAAAAmAAAACAAAAD0gAAAAAAAA"/>
               </a:ext>
             </a:extLst>
           </p:cNvSpPr>
@@ -1186,7 +1194,7 @@
             <a:spLocks noGrp="1" noChangeArrowheads="1"/>
             <a:extLst>
               <a:ext uri="smNativeData">
-                <pr:smNativeData xmlns:pr="smNativeData" xmlns="smNativeData" val="SMDATA_15_q5OGZBMAAAAlAAAAZAAAAA0AAAAAAAAAAAAAAAAAAAAAAAAAAAAAAAAAAAAAAAAAAAEAAABQAAAAAAAAAAAA4D8AAAAAAADgPwAAAAAAAOA/AAAAAAAA4D8AAAAAAADgPwAAAAAAAOA/AAAAAAAA4D8AAAAAAADgPwAAAAAAAOA/AAAAAAAA4D8CAAAAjAAAAAAAAAAAAAAARHLEDP///wgAAAAAAAAAAAAAAAAAAAAAAAAAAAAAAAAAAAAAZAAAAAEAAABAAAAAAAAAAAAAAAAAAAAAAAAAAAAAAAAAAAAAAAAAAAAAAAAAAAAAAAAAAAAAAAAAAAAAAAAAAAAAAAAAAAAAAAAAAAAAAAAAAAAAAAAAAAAAAAAAAAAAFAAAADwAAAAAAAAAAAAAAAAAAAkUAAAAAQAAABQAAAAUAAAAFAAAAAEAAAAAAAAAZAAAAGQAAAAAAAAAZAAAAGQAAAAVAAAAYAAAAAAAAAAAAAAADwAAACADAAAAAAAAAAAAAAEAAACgMgAAVgcAAKr4//8BAAAAf39/AAEAAABkAAAAAAAAABQAAABAHwAAAAAAACYAAAAAAAAAwOD//wAAAAAmAAAAZAAAABYAAABMAAAAAAAAAAAAAAAEAAAAAAAAAAEAAADn5uYKAAAAACgAAAAoAAAAZAAAAGQAAAAAAAAAzMzMAAAAAABQAAAAUAAAAGQAAABkAAAAAAAAABcAAAAUAAAAAAAAAAAAAAD/fwAA/38AAAAAAAAJAAAABAAAAAAAAAAeAAAAaAAAAAAAAAAAAAAAAAAAAAAAAAAAAAAAECcAABAnAAAAAAAAAAAAAAAAAAAAAAAAAAAAAAAAAAAAAAAAAAAAABQAAAAAAAAAwMD/AAAAAABkAAAAMgAAAAAAAABkAAAAAAAAAH9/fwAKAAAAIgAAABgAAAAAAAAAAAAAAAAAAAAAAAAAAAAAAAAAAAAkAAAAJAAAAAAAAAAHAAAAAAAAAAAAAAAAAAAAAAAAAAAAAAAAAAAAf39/ACUAAABYAAAAAAAAAAAAAAAAAAAAAAAAAAAAAAAAAAAAAAAAAAAAAAAAAAAAAAAAAAAAAAA/AAAAAAAAAKCGAQAAAAAAAAAAAAAAAAAMAAAAAQAAAAAAAAAAAAAAAAAAAB8AAABUAAAAAAAABQAAAAEAAAAAAAAAAAAAAAAAAAAAAAAAAAAAAAAAAAAAAAAAAAAAAAJ/f38AAAAAA8zMzADAwP8Af39/AAAAAAAAAAAAAAAAAAAAAAAAAAAAIQAAABgAAAAUAAAAViYAAN8JAABGRwAAViIAABAAAAAmAAAACAAAAD0gAAAAAAAA"/>
+                <pr:smNativeData xmlns="smNativeData" xmlns:pr="smNativeData" xmlns:p15="http://schemas.microsoft.com/office/powerpoint/2012/main" xmlns:p14="http://schemas.microsoft.com/office/powerpoint/2010/main" xmlns:mc="http://schemas.openxmlformats.org/markup-compatibility/2006" val="SMDATA_15_q5OGZBMAAAAlAAAAZAAAAA0AAAAAAAAAAAAAAAAAAAAAAAAAAAAAAAAAAAAAAAAAAAEAAABQAAAAAAAAAAAA4D8AAAAAAADgPwAAAAAAAOA/AAAAAAAA4D8AAAAAAADgPwAAAAAAAOA/AAAAAAAA4D8AAAAAAADgPwAAAAAAAOA/AAAAAAAA4D8CAAAAjAAAAAAAAAAAAAAARHLEDP///wgAAAAAAAAAAAAAAAAAAAAAAAAAAAAAAAAAAAAAZAAAAAEAAABAAAAAAAAAAAAAAAAAAAAAAAAAAAAAAAAAAAAAAAAAAAAAAAAAAAAAAAAAAAAAAAAAAAAAAAAAAAAAAAAAAAAAAAAAAAAAAAAAAAAAAAAAAAAAAAAAAAAAFAAAADwAAAAAAAAAAAAAAAAAAAkUAAAAAQAAABQAAAAUAAAAFAAAAAEAAAAAAAAAZAAAAGQAAAAAAAAAZAAAAGQAAAAVAAAAYAAAAAAAAAAAAAAADwAAACADAAAAAAAAAAAAAAEAAACgMgAAVgcAAKr4//8BAAAAf39/AAEAAABkAAAAAAAAABQAAABAHwAAAAAAACYAAAAAAAAAwOD//wAAAAAmAAAAZAAAABYAAABMAAAAAAAAAAAAAAAEAAAAAAAAAAEAAADn5uYKAAAAACgAAAAoAAAAZAAAAGQAAAAAAAAAzMzMAAAAAABQAAAAUAAAAGQAAABkAAAAAAAAABcAAAAUAAAAAAAAAAAAAAD/fwAA/38AAAAAAAAJAAAABAAAAAAAAAAeAAAAaAAAAAAAAAAAAAAAAAAAAAAAAAAAAAAAECcAABAnAAAAAAAAAAAAAAAAAAAAAAAAAAAAAAAAAAAAAAAAAAAAABQAAAAAAAAAwMD/AAAAAABkAAAAMgAAAAAAAABkAAAAAAAAAH9/fwAKAAAAIgAAABgAAAAAAAAAAAAAAAAAAAAAAAAAAAAAAAAAAAAkAAAAJAAAAAAAAAAHAAAAAAAAAAAAAAAAAAAAAAAAAAAAAAAAAAAAf39/ACUAAABYAAAAAAAAAAAAAAAAAAAAAAAAAAAAAAAAAAAAAAAAAAAAAAAAAAAAAAAAAAAAAAA/AAAAAAAAAKCGAQAAAAAAAAAAAAAAAAAMAAAAAQAAAAAAAAAAAAAAAAAAAB8AAABUAAAAAAAABQAAAAEAAAAAAAAAAAAAAAAAAAAAAAAAAAAAAAAAAAAAAAAAAAAAAAJ/f38AAAAAA8zMzADAwP8Af39/AAAAAAAAAAAAAAAAAAAAAAAAAAAAIQAAABgAAAAUAAAAViYAAN8JAABGRwAAViIAABAAAAAmAAAACAAAAD0gAAAAAAAA"/>
               </a:ext>
             </a:extLst>
           </p:cNvSpPr>
@@ -1224,7 +1232,7 @@
 </file>
 
 <file path=ppt/slideLayouts/slideLayout17.xml><?xml version="1.0" encoding="utf-8"?>
-<p:sldLayout xmlns:p="http://schemas.openxmlformats.org/presentationml/2006/main" xmlns:mc="http://schemas.openxmlformats.org/markup-compatibility/2006" xmlns:p14="http://schemas.microsoft.com/office/powerpoint/2010/main" xmlns:p15="http://schemas.microsoft.com/office/powerpoint/2012/main" xmlns:r="http://schemas.openxmlformats.org/officeDocument/2006/relationships" xmlns:a="http://schemas.openxmlformats.org/drawingml/2006/main" type="titleOnly" preserve="1">
+<p:sldLayout xmlns:a="http://schemas.openxmlformats.org/drawingml/2006/main" xmlns:r="http://schemas.openxmlformats.org/officeDocument/2006/relationships" xmlns:p="http://schemas.openxmlformats.org/presentationml/2006/main" type="titleOnly" preserve="1">
   <p:cSld name="Title Only">
     <p:spTree>
       <p:nvGrpSpPr>
@@ -1247,7 +1255,7 @@
             <a:spLocks noGrp="1" noChangeArrowheads="1"/>
             <a:extLst>
               <a:ext uri="smNativeData">
-                <pr:smNativeData xmlns:pr="smNativeData" xmlns="smNativeData" val="SMDATA_15_q5OGZBMAAAAlAAAAZAAAAA0AAAAAAAAAAAAAAAAAAAAAAAAAAAAAAAABAAAAAAAAAAEAAABQAAAAAAAAAAAA4D8AAAAAAADgPwAAAAAAAOA/AAAAAAAA4D8AAAAAAADgPwAAAAAAAOA/AAAAAAAA4D8AAAAAAADgPwAAAAAAAOA/AAAAAAAA4D8CAAAAjAAAAAAAAAAAAAAARHLEDP///wgAAAAAAAAAAAAAAAAAAAAAAAAAAAAAAAAAAAAAZAAAAAEAAABAAAAAAAAAAAAAAAAAAAAAAAAAAAAAAAAAAAAAAAAAAAAAAAAAAAAAAAAAAAAAAAAAAAAAAAAAAAAAAAAAAAAAAAAAAAAAAAAAAAAAAAAAAAAAAAAAAAAAFAAAADwAAAAAAAAAAAAAAAAAAAkUAAAAAQAAABQAAAAUAAAAFAAAAAEAAAAAAAAAZAAAAGQAAAAAAAAAZAAAAGQAAAAVAAAAYAAAAAAAAAAAAAAADwAAACADAAAAAAAAAAAAAAEAAACgMgAAVgcAAKr4//8BAAAAf39/AAEAAABkAAAAAAAAABQAAABAHwAAAAAAACYAAAAAAAAAwOD//wAAAAAmAAAAZAAAABYAAABMAAAAAAAAAAAAAAAEAAAAAAAAAAEAAADn5uYKAAAAACgAAAAoAAAAZAAAAGQAAAAAAAAAzMzMAAAAAABQAAAAUAAAAGQAAABkAAAAAAAAABcAAAAUAAAAAAAAAAAAAAD/fwAA/38AAAAAAAAJAAAABAAAAEB16gseAAAAaAAAAAAAAAAAAAAAAAAAAAAAAAAAAAAAECcAABAnAAAAAAAAAAAAAAAAAAAAAAAAAAAAAAAAAAAAAAAAAAAAABQAAAAAAAAAwMD/AAAAAABkAAAAMgAAAAAAAABkAAAAAAAAAH9/fwAKAAAAIgAAABgAAAAAAAAAAAAAAAAAAAAAAAAAAAAAAAAAAAAkAAAAJAAAAAAAAAAHAAAAAAAAAAAAAAAAAAAAAAAAAAAAAAAAAAAAf39/ACUAAABYAAAAAAAAAAAAAAAAAAAAAAAAAAAAAAAAAAAAAAAAAAAAAAAAAAAAAAAAAAAAAAA/AAAAAAAAAKCGAQAAAAAAAAAAAAAAAAAMAAAAAQAAAAAAAAAAAAAAAAAAAB8AAABUAAAAAAAABQAAAAEAAAAAAAAAAAAAAAAAAAAAAAAAAAAAAAAAAAAAAAAAAAAAAAJ/f38AAAAAA8zMzADAwP8Af39/AAAAAAAAAAAAAAAAAAAAAAAAAAAAIQAAABgAAAAUAAAAwAMAAK8BAAA/RwAAuggAABAAAAAmAAAACAAAAD0gAAAAAAAA"/>
+                <pr:smNativeData xmlns="smNativeData" xmlns:pr="smNativeData" xmlns:p15="http://schemas.microsoft.com/office/powerpoint/2012/main" xmlns:p14="http://schemas.microsoft.com/office/powerpoint/2010/main" xmlns:mc="http://schemas.openxmlformats.org/markup-compatibility/2006" val="SMDATA_15_q5OGZBMAAAAlAAAAZAAAAA0AAAAAAAAAAAAAAAAAAAAAAAAAAAAAAAABAAAAAAAAAAEAAABQAAAAAAAAAAAA4D8AAAAAAADgPwAAAAAAAOA/AAAAAAAA4D8AAAAAAADgPwAAAAAAAOA/AAAAAAAA4D8AAAAAAADgPwAAAAAAAOA/AAAAAAAA4D8CAAAAjAAAAAAAAAAAAAAARHLEDP///wgAAAAAAAAAAAAAAAAAAAAAAAAAAAAAAAAAAAAAZAAAAAEAAABAAAAAAAAAAAAAAAAAAAAAAAAAAAAAAAAAAAAAAAAAAAAAAAAAAAAAAAAAAAAAAAAAAAAAAAAAAAAAAAAAAAAAAAAAAAAAAAAAAAAAAAAAAAAAAAAAAAAAFAAAADwAAAAAAAAAAAAAAAAAAAkUAAAAAQAAABQAAAAUAAAAFAAAAAEAAAAAAAAAZAAAAGQAAAAAAAAAZAAAAGQAAAAVAAAAYAAAAAAAAAAAAAAADwAAACADAAAAAAAAAAAAAAEAAACgMgAAVgcAAKr4//8BAAAAf39/AAEAAABkAAAAAAAAABQAAABAHwAAAAAAACYAAAAAAAAAwOD//wAAAAAmAAAAZAAAABYAAABMAAAAAAAAAAAAAAAEAAAAAAAAAAEAAADn5uYKAAAAACgAAAAoAAAAZAAAAGQAAAAAAAAAzMzMAAAAAABQAAAAUAAAAGQAAABkAAAAAAAAABcAAAAUAAAAAAAAAAAAAAD/fwAA/38AAAAAAAAJAAAABAAAAEB16gseAAAAaAAAAAAAAAAAAAAAAAAAAAAAAAAAAAAAECcAABAnAAAAAAAAAAAAAAAAAAAAAAAAAAAAAAAAAAAAAAAAAAAAABQAAAAAAAAAwMD/AAAAAABkAAAAMgAAAAAAAABkAAAAAAAAAH9/fwAKAAAAIgAAABgAAAAAAAAAAAAAAAAAAAAAAAAAAAAAAAAAAAAkAAAAJAAAAAAAAAAHAAAAAAAAAAAAAAAAAAAAAAAAAAAAAAAAAAAAf39/ACUAAABYAAAAAAAAAAAAAAAAAAAAAAAAAAAAAAAAAAAAAAAAAAAAAAAAAAAAAAAAAAAAAAA/AAAAAAAAAKCGAQAAAAAAAAAAAAAAAAAMAAAAAQAAAAAAAAAAAAAAAAAAAB8AAABUAAAAAAAABQAAAAEAAAAAAAAAAAAAAAAAAAAAAAAAAAAAAAAAAAAAAAAAAAAAAAJ/f38AAAAAA8zMzADAwP8Af39/AAAAAAAAAAAAAAAAAAAAAAAAAAAAIQAAABgAAAAUAAAAwAMAAK8BAAA/RwAAuggAABAAAAAmAAAACAAAAD0gAAAAAAAA"/>
               </a:ext>
             </a:extLst>
           </p:cNvSpPr>
@@ -1285,7 +1293,7 @@
 </file>
 
 <file path=ppt/slideLayouts/slideLayout18.xml><?xml version="1.0" encoding="utf-8"?>
-<p:sldLayout xmlns:p="http://schemas.openxmlformats.org/presentationml/2006/main" xmlns:mc="http://schemas.openxmlformats.org/markup-compatibility/2006" xmlns:p14="http://schemas.microsoft.com/office/powerpoint/2010/main" xmlns:p15="http://schemas.microsoft.com/office/powerpoint/2012/main" xmlns:r="http://schemas.openxmlformats.org/officeDocument/2006/relationships" xmlns:a="http://schemas.openxmlformats.org/drawingml/2006/main" type="objOnly" preserve="1">
+<p:sldLayout xmlns:a="http://schemas.openxmlformats.org/drawingml/2006/main" xmlns:r="http://schemas.openxmlformats.org/officeDocument/2006/relationships" xmlns:p="http://schemas.openxmlformats.org/presentationml/2006/main" type="objOnly" preserve="1">
   <p:cSld name="Centered Text">
     <p:spTree>
       <p:nvGrpSpPr>
@@ -1308,7 +1316,7 @@
             <a:spLocks noGrp="1" noChangeArrowheads="1"/>
             <a:extLst>
               <a:ext uri="smNativeData">
-                <pr:smNativeData xmlns:pr="smNativeData" xmlns="smNativeData" val="SMDATA_15_q5OGZBMAAAAlAAAAZAAAAA0AAAAAAAAAAAAAAAAAAAAAAAAAAAAAAAABAAAAAAAAAAEAAABQAAAAAAAAAAAA4D8AAAAAAADgPwAAAAAAAOA/AAAAAAAA4D8AAAAAAADgPwAAAAAAAOA/AAAAAAAA4D8AAAAAAADgPwAAAAAAAOA/AAAAAAAA4D8CAAAAjAAAAAAAAAAAAAAARHLEDP///wgAAAAAAAAAAAAAAAAAAAAAAAAAAAAAAAAAAAAAZAAAAAEAAABAAAAAAAAAAAAAAAAAAAAAAAAAAAAAAAAAAAAAAAAAAAAAAAAAAAAAAAAAAAAAAAAAAAAAAAAAAAAAAAAAAAAAAAAAAAAAAAAAAAAAAAAAAAAAAAAAAAAAFAAAADwAAAAAAAAAAAAAAAAAAAkUAAAAAQAAABQAAAAUAAAAFAAAAAEAAAAAAAAAZAAAAGQAAAAAAAAAZAAAAGQAAAAVAAAAYAAAAAAAAAAAAAAADwAAACADAAAAAAAAAAAAAAEAAACgMgAAVgcAAKr4//8BAAAAf39/AAEAAABkAAAAAAAAABQAAABAHwAAAAAAACYAAAAAAAAAwOD//wAAAAAmAAAAZAAAABYAAABMAAAAAAAAAAAAAAAEAAAAAAAAAAEAAADn5uYKAAAAACgAAAAoAAAAZAAAAGQAAAAAAAAAzMzMAAAAAABQAAAAUAAAAGQAAABkAAAAAAAAABcAAAAUAAAAAAAAAAAAAAD/fwAA/38AAAAAAAAJAAAABAAAAIazpAseAAAAaAAAAAAAAAAAAAAAAAAAAAAAAAAAAAAAECcAABAnAAAAAAAAAAAAAAAAAAAAAAAAAAAAAAAAAAAAAAAAAAAAABQAAAAAAAAAwMD/AAAAAABkAAAAMgAAAAAAAABkAAAAAAAAAH9/fwAKAAAAIgAAABgAAAAAAAAAAAAAAAAAAAAAAAAAAAAAAAAAAAAkAAAAJAAAAAAAAAAHAAAAAAAAAAAAAAAAAAAAAAAAAAAAAAAAAAAAf39/ACUAAABYAAAAAAAAAAAAAAAAAAAAAAAAAAAAAAAAAAAAAAAAAAAAAAAAAAAAAAAAAAAAAAA/AAAAAAAAAKCGAQAAAAAAAAAAAAAAAAAMAAAAAQAAAAAAAAAAAAAAAAAAAB8AAABUAAAAAAAABQAAAAEAAAAAAAAAAAAAAAAAAAAAAAAAAAAAAAAAAAAAAAAAAAAAAAJ/f38AAAAAA8zMzADAwP8Af39/AAAAAAAAAAAAAAAAAAAAAAAAAAAAIQAAABgAAAAUAAAAwAMAAK8BAAA/RwAAViIAABAAAAAmAAAACAAAAL0gAAAAAAAA"/>
+                <pr:smNativeData xmlns="smNativeData" xmlns:pr="smNativeData" xmlns:p15="http://schemas.microsoft.com/office/powerpoint/2012/main" xmlns:p14="http://schemas.microsoft.com/office/powerpoint/2010/main" xmlns:mc="http://schemas.openxmlformats.org/markup-compatibility/2006" val="SMDATA_15_q5OGZBMAAAAlAAAAZAAAAA0AAAAAAAAAAAAAAAAAAAAAAAAAAAAAAAABAAAAAAAAAAEAAABQAAAAAAAAAAAA4D8AAAAAAADgPwAAAAAAAOA/AAAAAAAA4D8AAAAAAADgPwAAAAAAAOA/AAAAAAAA4D8AAAAAAADgPwAAAAAAAOA/AAAAAAAA4D8CAAAAjAAAAAAAAAAAAAAARHLEDP///wgAAAAAAAAAAAAAAAAAAAAAAAAAAAAAAAAAAAAAZAAAAAEAAABAAAAAAAAAAAAAAAAAAAAAAAAAAAAAAAAAAAAAAAAAAAAAAAAAAAAAAAAAAAAAAAAAAAAAAAAAAAAAAAAAAAAAAAAAAAAAAAAAAAAAAAAAAAAAAAAAAAAAFAAAADwAAAAAAAAAAAAAAAAAAAkUAAAAAQAAABQAAAAUAAAAFAAAAAEAAAAAAAAAZAAAAGQAAAAAAAAAZAAAAGQAAAAVAAAAYAAAAAAAAAAAAAAADwAAACADAAAAAAAAAAAAAAEAAACgMgAAVgcAAKr4//8BAAAAf39/AAEAAABkAAAAAAAAABQAAABAHwAAAAAAACYAAAAAAAAAwOD//wAAAAAmAAAAZAAAABYAAABMAAAAAAAAAAAAAAAEAAAAAAAAAAEAAADn5uYKAAAAACgAAAAoAAAAZAAAAGQAAAAAAAAAzMzMAAAAAABQAAAAUAAAAGQAAABkAAAAAAAAABcAAAAUAAAAAAAAAAAAAAD/fwAA/38AAAAAAAAJAAAABAAAAIazpAseAAAAaAAAAAAAAAAAAAAAAAAAAAAAAAAAAAAAECcAABAnAAAAAAAAAAAAAAAAAAAAAAAAAAAAAAAAAAAAAAAAAAAAABQAAAAAAAAAwMD/AAAAAABkAAAAMgAAAAAAAABkAAAAAAAAAH9/fwAKAAAAIgAAABgAAAAAAAAAAAAAAAAAAAAAAAAAAAAAAAAAAAAkAAAAJAAAAAAAAAAHAAAAAAAAAAAAAAAAAAAAAAAAAAAAAAAAAAAAf39/ACUAAABYAAAAAAAAAAAAAAAAAAAAAAAAAAAAAAAAAAAAAAAAAAAAAAAAAAAAAAAAAAAAAAA/AAAAAAAAAKCGAQAAAAAAAAAAAAAAAAAMAAAAAQAAAAAAAAAAAAAAAAAAAB8AAABUAAAAAAAABQAAAAEAAAAAAAAAAAAAAAAAAAAAAAAAAAAAAAAAAAAAAAAAAAAAAAJ/f38AAAAAA8zMzADAwP8Af39/AAAAAAAAAAAAAAAAAAAAAAAAAAAAIQAAABgAAAAUAAAAwAMAAK8BAAA/RwAAViIAABAAAAAmAAAACAAAAL0gAAAAAAAA"/>
               </a:ext>
             </a:extLst>
           </p:cNvSpPr>
@@ -1346,7 +1354,7 @@
 </file>
 
 <file path=ppt/slideLayouts/slideLayout19.xml><?xml version="1.0" encoding="utf-8"?>
-<p:sldLayout xmlns:p="http://schemas.openxmlformats.org/presentationml/2006/main" xmlns:mc="http://schemas.openxmlformats.org/markup-compatibility/2006" xmlns:p14="http://schemas.microsoft.com/office/powerpoint/2010/main" xmlns:p15="http://schemas.microsoft.com/office/powerpoint/2012/main" xmlns:r="http://schemas.openxmlformats.org/officeDocument/2006/relationships" xmlns:a="http://schemas.openxmlformats.org/drawingml/2006/main" type="twoObjAndObj" preserve="1">
+<p:sldLayout xmlns:a="http://schemas.openxmlformats.org/drawingml/2006/main" xmlns:r="http://schemas.openxmlformats.org/officeDocument/2006/relationships" xmlns:p="http://schemas.openxmlformats.org/presentationml/2006/main" type="twoObjAndObj" preserve="1">
   <p:cSld name="Title, 2 Content and Content">
     <p:spTree>
       <p:nvGrpSpPr>
@@ -1369,7 +1377,7 @@
             <a:spLocks noGrp="1" noChangeArrowheads="1"/>
             <a:extLst>
               <a:ext uri="smNativeData">
-                <pr:smNativeData xmlns:pr="smNativeData" xmlns="smNativeData" val="SMDATA_15_q5OGZBMAAAAlAAAAZAAAAA0AAAAAAAAAAAAAAAAAAAAAAAAAAAAAAAABAAAAAAAAAAEAAABQAAAAAAAAAAAA4D8AAAAAAADgPwAAAAAAAOA/AAAAAAAA4D8AAAAAAADgPwAAAAAAAOA/AAAAAAAA4D8AAAAAAADgPwAAAAAAAOA/AAAAAAAA4D8CAAAAjAAAAAAAAAAAAAAARHLEDP///wgAAAAAAAAAAAAAAAAAAAAAAAAAAAAAAAAAAAAAZAAAAAEAAABAAAAAAAAAAAAAAAAAAAAAAAAAAAAAAAAAAAAAAAAAAAAAAAAAAAAAAAAAAAAAAAAAAAAAAAAAAAAAAAAAAAAAAAAAAAAAAAAAAAAAAAAAAAAAAAAAAAAAFAAAADwAAAAAAAAAAAAAAAAAAAkUAAAAAQAAABQAAAAUAAAAFAAAAAEAAAAAAAAAZAAAAGQAAAAAAAAAZAAAAGQAAAAVAAAAYAAAAAAAAAAAAAAADwAAACADAAAAAAAAAAAAAAEAAACgMgAAVgcAAKr4//8BAAAAf39/AAEAAABkAAAAAAAAABQAAABAHwAAAAAAACYAAAAAAAAAwOD//wAAAAAmAAAAZAAAABYAAABMAAAAAAAAAAAAAAAEAAAAAAAAAAEAAADn5uYKAAAAACgAAAAoAAAAZAAAAGQAAAAAAAAAzMzMAAAAAABQAAAAUAAAAGQAAABkAAAAAAAAABcAAAAUAAAAAAAAAAAAAAD/fwAA/38AAAAAAAAJAAAABAAAAFh74wseAAAAaAAAAAAAAAAAAAAAAAAAAAAAAAAAAAAAECcAABAnAAAAAAAAAAAAAAAAAAAAAAAAAAAAAAAAAAAAAAAAAAAAABQAAAAAAAAAwMD/AAAAAABkAAAAMgAAAAAAAABkAAAAAAAAAH9/fwAKAAAAIgAAABgAAAAAAAAAAAAAAAAAAAAAAAAAAAAAAAAAAAAkAAAAJAAAAAAAAAAHAAAAAAAAAAAAAAAAAAAAAAAAAAAAAAAAAAAAf39/ACUAAABYAAAAAAAAAAAAAAAAAAAAAAAAAAAAAAAAAAAAAAAAAAAAAAAAAAAAAAAAAAAAAAA/AAAAAAAAAKCGAQAAAAAAAAAAAAAAAAAMAAAAAQAAAAAAAAAAAAAAAAAAAB8AAABUAAAAAAAABQAAAAEAAAAAAAAAAAAAAAAAAAAAAAAAAAAAAAAAAAAAAAAAAAAAAAJ/f38AAAAAA8zMzADAwP8Af39/AAAAAAAAAAAAAAAAAAAAAAAAAAAAIQAAABgAAAAUAAAAwAMAAK8BAAA/RwAAuggAABAAAAAmAAAACAAAAD0gAAAAAAAA"/>
+                <pr:smNativeData xmlns="smNativeData" xmlns:pr="smNativeData" xmlns:p15="http://schemas.microsoft.com/office/powerpoint/2012/main" xmlns:p14="http://schemas.microsoft.com/office/powerpoint/2010/main" xmlns:mc="http://schemas.openxmlformats.org/markup-compatibility/2006" val="SMDATA_15_q5OGZBMAAAAlAAAAZAAAAA0AAAAAAAAAAAAAAAAAAAAAAAAAAAAAAAABAAAAAAAAAAEAAABQAAAAAAAAAAAA4D8AAAAAAADgPwAAAAAAAOA/AAAAAAAA4D8AAAAAAADgPwAAAAAAAOA/AAAAAAAA4D8AAAAAAADgPwAAAAAAAOA/AAAAAAAA4D8CAAAAjAAAAAAAAAAAAAAARHLEDP///wgAAAAAAAAAAAAAAAAAAAAAAAAAAAAAAAAAAAAAZAAAAAEAAABAAAAAAAAAAAAAAAAAAAAAAAAAAAAAAAAAAAAAAAAAAAAAAAAAAAAAAAAAAAAAAAAAAAAAAAAAAAAAAAAAAAAAAAAAAAAAAAAAAAAAAAAAAAAAAAAAAAAAFAAAADwAAAAAAAAAAAAAAAAAAAkUAAAAAQAAABQAAAAUAAAAFAAAAAEAAAAAAAAAZAAAAGQAAAAAAAAAZAAAAGQAAAAVAAAAYAAAAAAAAAAAAAAADwAAACADAAAAAAAAAAAAAAEAAACgMgAAVgcAAKr4//8BAAAAf39/AAEAAABkAAAAAAAAABQAAABAHwAAAAAAACYAAAAAAAAAwOD//wAAAAAmAAAAZAAAABYAAABMAAAAAAAAAAAAAAAEAAAAAAAAAAEAAADn5uYKAAAAACgAAAAoAAAAZAAAAGQAAAAAAAAAzMzMAAAAAABQAAAAUAAAAGQAAABkAAAAAAAAABcAAAAUAAAAAAAAAAAAAAD/fwAA/38AAAAAAAAJAAAABAAAAFh74wseAAAAaAAAAAAAAAAAAAAAAAAAAAAAAAAAAAAAECcAABAnAAAAAAAAAAAAAAAAAAAAAAAAAAAAAAAAAAAAAAAAAAAAABQAAAAAAAAAwMD/AAAAAABkAAAAMgAAAAAAAABkAAAAAAAAAH9/fwAKAAAAIgAAABgAAAAAAAAAAAAAAAAAAAAAAAAAAAAAAAAAAAAkAAAAJAAAAAAAAAAHAAAAAAAAAAAAAAAAAAAAAAAAAAAAAAAAAAAAf39/ACUAAABYAAAAAAAAAAAAAAAAAAAAAAAAAAAAAAAAAAAAAAAAAAAAAAAAAAAAAAAAAAAAAAA/AAAAAAAAAKCGAQAAAAAAAAAAAAAAAAAMAAAAAQAAAAAAAAAAAAAAAAAAAB8AAABUAAAAAAAABQAAAAEAAAAAAAAAAAAAAAAAAAAAAAAAAAAAAAAAAAAAAAAAAAAAAAJ/f38AAAAAA8zMzADAwP8Af39/AAAAAAAAAAAAAAAAAAAAAAAAAAAAIQAAABgAAAAUAAAAwAMAAK8BAAA/RwAAuggAABAAAAAmAAAACAAAAD0gAAAAAAAA"/>
               </a:ext>
             </a:extLst>
           </p:cNvSpPr>
@@ -1405,7 +1413,7 @@
             <a:spLocks noGrp="1" noChangeArrowheads="1"/>
             <a:extLst>
               <a:ext uri="smNativeData">
-                <pr:smNativeData xmlns:pr="smNativeData" xmlns="smNativeData" val="SMDATA_15_q5OGZBMAAAAlAAAAZAAAAA0AAAAAAAAAAAAAAAAAAAAAAAAAAAAAAAAAAAAAAAAAAAEAAABQAAAAAAAAAAAA4D8AAAAAAADgPwAAAAAAAOA/AAAAAAAA4D8AAAAAAADgPwAAAAAAAOA/AAAAAAAA4D8AAAAAAADgPwAAAAAAAOA/AAAAAAAA4D8CAAAAjAAAAAAAAAAAAAAARHLEDP///wgAAAAAAAAAAAAAAAAAAAAAAAAAAAAAAAAAAAAAZAAAAAEAAABAAAAAAAAAAAAAAAAAAAAAAAAAAAAAAAAAAAAAAAAAAAAAAAAAAAAAAAAAAAAAAAAAAAAAAAAAAAAAAAAAAAAAAAAAAAAAAAAAAAAAAAAAAAAAAAAAAAAAFAAAADwAAAAAAAAAAAAAAAAAAAkUAAAAAQAAABQAAAAUAAAAFAAAAAEAAAAAAAAAZAAAAGQAAAAAAAAAZAAAAGQAAAAVAAAAYAAAAAAAAAAAAAAADwAAACADAAAAAAAAAAAAAAEAAACgMgAAVgcAAKr4//8BAAAAf39/AAEAAABkAAAAAAAAABQAAABAHwAAAAAAACYAAAAAAAAAwOD//wAAAAAmAAAAZAAAABYAAABMAAAAAAAAAAAAAAAEAAAAAAAAAAEAAADn5uYKAAAAACgAAAAoAAAAZAAAAGQAAAAAAAAAzMzMAAAAAABQAAAAUAAAAGQAAABkAAAAAAAAABcAAAAUAAAAAAAAAAAAAAD/fwAA/38AAAAAAAAJAAAABAAAAAAAAAAeAAAAaAAAAAAAAAAAAAAAAAAAAAAAAAAAAAAAECcAABAnAAAAAAAAAAAAAAAAAAAAAAAAAAAAAAAAAAAAAAAAAAAAABQAAAAAAAAAwMD/AAAAAABkAAAAMgAAAAAAAABkAAAAAAAAAH9/fwAKAAAAIgAAABgAAAAAAAAAAAAAAAAAAAAAAAAAAAAAAAAAAAAkAAAAJAAAAAAAAAAHAAAAAAAAAAAAAAAAAAAAAAAAAAAAAAAAAAAAf39/ACUAAABYAAAAAAAAAAAAAAAAAAAAAAAAAAAAAAAAAAAAAAAAAAAAAAAAAAAAAAAAAAAAAAA/AAAAAAAAAKCGAQAAAAAAAAAAAAAAAAAMAAAAAQAAAAAAAAAAAAAAAAAAAB8AAABUAAAAAAAABQAAAAEAAAAAAAAAAAAAAAAAAAAAAAAAAAAAAAAAAAAAAAAAAAAAAAJ/f38AAAAAA8zMzADAwP8Af39/AAAAAAAAAAAAAAAAAAAAAAAAAAAAIQAAABgAAAAUAAAAwAMAAN8JAACwJAAAihUAABAAAAAmAAAACAAAAD0gAAAAAAAA"/>
+                <pr:smNativeData xmlns="smNativeData" xmlns:pr="smNativeData" xmlns:p15="http://schemas.microsoft.com/office/powerpoint/2012/main" xmlns:p14="http://schemas.microsoft.com/office/powerpoint/2010/main" xmlns:mc="http://schemas.openxmlformats.org/markup-compatibility/2006" val="SMDATA_15_q5OGZBMAAAAlAAAAZAAAAA0AAAAAAAAAAAAAAAAAAAAAAAAAAAAAAAAAAAAAAAAAAAEAAABQAAAAAAAAAAAA4D8AAAAAAADgPwAAAAAAAOA/AAAAAAAA4D8AAAAAAADgPwAAAAAAAOA/AAAAAAAA4D8AAAAAAADgPwAAAAAAAOA/AAAAAAAA4D8CAAAAjAAAAAAAAAAAAAAARHLEDP///wgAAAAAAAAAAAAAAAAAAAAAAAAAAAAAAAAAAAAAZAAAAAEAAABAAAAAAAAAAAAAAAAAAAAAAAAAAAAAAAAAAAAAAAAAAAAAAAAAAAAAAAAAAAAAAAAAAAAAAAAAAAAAAAAAAAAAAAAAAAAAAAAAAAAAAAAAAAAAAAAAAAAAFAAAADwAAAAAAAAAAAAAAAAAAAkUAAAAAQAAABQAAAAUAAAAFAAAAAEAAAAAAAAAZAAAAGQAAAAAAAAAZAAAAGQAAAAVAAAAYAAAAAAAAAAAAAAADwAAACADAAAAAAAAAAAAAAEAAACgMgAAVgcAAKr4//8BAAAAf39/AAEAAABkAAAAAAAAABQAAABAHwAAAAAAACYAAAAAAAAAwOD//wAAAAAmAAAAZAAAABYAAABMAAAAAAAAAAAAAAAEAAAAAAAAAAEAAADn5uYKAAAAACgAAAAoAAAAZAAAAGQAAAAAAAAAzMzMAAAAAABQAAAAUAAAAGQAAABkAAAAAAAAABcAAAAUAAAAAAAAAAAAAAD/fwAA/38AAAAAAAAJAAAABAAAAAAAAAAeAAAAaAAAAAAAAAAAAAAAAAAAAAAAAAAAAAAAECcAABAnAAAAAAAAAAAAAAAAAAAAAAAAAAAAAAAAAAAAAAAAAAAAABQAAAAAAAAAwMD/AAAAAABkAAAAMgAAAAAAAABkAAAAAAAAAH9/fwAKAAAAIgAAABgAAAAAAAAAAAAAAAAAAAAAAAAAAAAAAAAAAAAkAAAAJAAAAAAAAAAHAAAAAAAAAAAAAAAAAAAAAAAAAAAAAAAAAAAAf39/ACUAAABYAAAAAAAAAAAAAAAAAAAAAAAAAAAAAAAAAAAAAAAAAAAAAAAAAAAAAAAAAAAAAAA/AAAAAAAAAKCGAQAAAAAAAAAAAAAAAAAMAAAAAQAAAAAAAAAAAAAAAAAAAB8AAABUAAAAAAAABQAAAAEAAAAAAAAAAAAAAAAAAAAAAAAAAAAAAAAAAAAAAAAAAAAAAAJ/f38AAAAAA8zMzADAwP8Af39/AAAAAAAAAAAAAAAAAAAAAAAAAAAAIQAAABgAAAAUAAAAwAMAAN8JAACwJAAAihUAABAAAAAmAAAACAAAAD0gAAAAAAAA"/>
               </a:ext>
             </a:extLst>
           </p:cNvSpPr>
@@ -1441,7 +1449,7 @@
             <a:spLocks noGrp="1" noChangeArrowheads="1"/>
             <a:extLst>
               <a:ext uri="smNativeData">
-                <pr:smNativeData xmlns:pr="smNativeData" xmlns="smNativeData" val="SMDATA_15_q5OGZBMAAAAlAAAAZAAAAA0AAAAAAAAAAAAAAAAAAAAAAAAAAAAAAAAAAAAAAAAAAAEAAABQAAAAAAAAAAAA4D8AAAAAAADgPwAAAAAAAOA/AAAAAAAA4D8AAAAAAADgPwAAAAAAAOA/AAAAAAAA4D8AAAAAAADgPwAAAAAAAOA/AAAAAAAA4D8CAAAAjAAAAAAAAAAAAAAARHLEDP///wgAAAAAAAAAAAAAAAAAAAAAAAAAAAAAAAAAAAAAZAAAAAEAAABAAAAAAAAAAAAAAAAAAAAAAAAAAAAAAAAAAAAAAAAAAAAAAAAAAAAAAAAAAAAAAAAAAAAAAAAAAAAAAAAAAAAAAAAAAAAAAAAAAAAAAAAAAAAAAAAAAAAAFAAAADwAAAAAAAAAAAAAAAAAAAkUAAAAAQAAABQAAAAUAAAAFAAAAAEAAAAAAAAAZAAAAGQAAAAAAAAAZAAAAGQAAAAVAAAAYAAAAAAAAAAAAAAADwAAACADAAAAAAAAAAAAAAEAAACgMgAAVgcAAKr4//8BAAAAf39/AAEAAABkAAAAAAAAABQAAABAHwAAAAAAACYAAAAAAAAAwOD//wAAAAAmAAAAZAAAABYAAABMAAAAAAAAAAAAAAAEAAAAAAAAAAEAAADn5uYKAAAAACgAAAAoAAAAZAAAAGQAAAAAAAAAzMzMAAAAAABQAAAAUAAAAGQAAABkAAAAAAAAABcAAAAUAAAAAAAAAAAAAAD/fwAA/38AAAAAAAAJAAAABAAAACEAAAAeAAAAaAAAAAAAAAAAAAAAAAAAAAAAAAAAAAAAECcAABAnAAAAAAAAAAAAAAAAAAAAAAAAAAAAAAAAAAAAAAAAAAAAABQAAAAAAAAAwMD/AAAAAABkAAAAMgAAAAAAAABkAAAAAAAAAH9/fwAKAAAAIgAAABgAAAAAAAAAAAAAAAAAAAAAAAAAAAAAAAAAAAAkAAAAJAAAAAAAAAAHAAAAAAAAAAAAAAAAAAAAAAAAAAAAAAAAAAAAf39/ACUAAABYAAAAAAAAAAAAAAAAAAAAAAAAAAAAAAAAAAAAAAAAAAAAAAAAAAAAAAAAAAAAAAA/AAAAAAAAAKCGAQAAAAAAAAAAAAAAAAAMAAAAAQAAAAAAAAAAAAAAAAAAAB8AAABUAAAAAAAABQAAAAEAAAAAAAAAAAAAAAAAAAAAAAAAAAAAAAAAAAAAAAAAAAAAAAJ/f38AAAAAA8zMzADAwP8Af39/AAAAAAAAAAAAAAAAAAAAAAAAAAAAIQAAABgAAAAUAAAAViYAAN8JAABGRwAAViIAABAAAAAmAAAACAAAAD0gAAAAAAAA"/>
+                <pr:smNativeData xmlns="smNativeData" xmlns:pr="smNativeData" xmlns:p15="http://schemas.microsoft.com/office/powerpoint/2012/main" xmlns:p14="http://schemas.microsoft.com/office/powerpoint/2010/main" xmlns:mc="http://schemas.openxmlformats.org/markup-compatibility/2006" val="SMDATA_15_q5OGZBMAAAAlAAAAZAAAAA0AAAAAAAAAAAAAAAAAAAAAAAAAAAAAAAAAAAAAAAAAAAEAAABQAAAAAAAAAAAA4D8AAAAAAADgPwAAAAAAAOA/AAAAAAAA4D8AAAAAAADgPwAAAAAAAOA/AAAAAAAA4D8AAAAAAADgPwAAAAAAAOA/AAAAAAAA4D8CAAAAjAAAAAAAAAAAAAAARHLEDP///wgAAAAAAAAAAAAAAAAAAAAAAAAAAAAAAAAAAAAAZAAAAAEAAABAAAAAAAAAAAAAAAAAAAAAAAAAAAAAAAAAAAAAAAAAAAAAAAAAAAAAAAAAAAAAAAAAAAAAAAAAAAAAAAAAAAAAAAAAAAAAAAAAAAAAAAAAAAAAAAAAAAAAFAAAADwAAAAAAAAAAAAAAAAAAAkUAAAAAQAAABQAAAAUAAAAFAAAAAEAAAAAAAAAZAAAAGQAAAAAAAAAZAAAAGQAAAAVAAAAYAAAAAAAAAAAAAAADwAAACADAAAAAAAAAAAAAAEAAACgMgAAVgcAAKr4//8BAAAAf39/AAEAAABkAAAAAAAAABQAAABAHwAAAAAAACYAAAAAAAAAwOD//wAAAAAmAAAAZAAAABYAAABMAAAAAAAAAAAAAAAEAAAAAAAAAAEAAADn5uYKAAAAACgAAAAoAAAAZAAAAGQAAAAAAAAAzMzMAAAAAABQAAAAUAAAAGQAAABkAAAAAAAAABcAAAAUAAAAAAAAAAAAAAD/fwAA/38AAAAAAAAJAAAABAAAACEAAAAeAAAAaAAAAAAAAAAAAAAAAAAAAAAAAAAAAAAAECcAABAnAAAAAAAAAAAAAAAAAAAAAAAAAAAAAAAAAAAAAAAAAAAAABQAAAAAAAAAwMD/AAAAAABkAAAAMgAAAAAAAABkAAAAAAAAAH9/fwAKAAAAIgAAABgAAAAAAAAAAAAAAAAAAAAAAAAAAAAAAAAAAAAkAAAAJAAAAAAAAAAHAAAAAAAAAAAAAAAAAAAAAAAAAAAAAAAAAAAAf39/ACUAAABYAAAAAAAAAAAAAAAAAAAAAAAAAAAAAAAAAAAAAAAAAAAAAAAAAAAAAAAAAAAAAAA/AAAAAAAAAKCGAQAAAAAAAAAAAAAAAAAMAAAAAQAAAAAAAAAAAAAAAAAAAB8AAABUAAAAAAAABQAAAAEAAAAAAAAAAAAAAAAAAAAAAAAAAAAAAAAAAAAAAAAAAAAAAAJ/f38AAAAAA8zMzADAwP8Af39/AAAAAAAAAAAAAAAAAAAAAAAAAAAAIQAAABgAAAAUAAAAViYAAN8JAABGRwAAViIAABAAAAAmAAAACAAAAD0gAAAAAAAA"/>
               </a:ext>
             </a:extLst>
           </p:cNvSpPr>
@@ -1477,7 +1485,7 @@
             <a:spLocks noGrp="1" noChangeArrowheads="1"/>
             <a:extLst>
               <a:ext uri="smNativeData">
-                <pr:smNativeData xmlns:pr="smNativeData" xmlns="smNativeData" val="SMDATA_15_q5OGZBMAAAAlAAAAZAAAAA0AAAAAAAAAAAAAAAAAAAAAAAAAAAAAAAAAAAAAAAAAAAEAAABQAAAAAAAAAAAA4D8AAAAAAADgPwAAAAAAAOA/AAAAAAAA4D8AAAAAAADgPwAAAAAAAOA/AAAAAAAA4D8AAAAAAADgPwAAAAAAAOA/AAAAAAAA4D8CAAAAjAAAAAAAAAAAAAAARHLEDP///wgAAAAAAAAAAAAAAAAAAAAAAAAAAAAAAAAAAAAAZAAAAAEAAABAAAAAAAAAAAAAAAAAAAAAAAAAAAAAAAAAAAAAAAAAAAAAAAAAAAAAAAAAAAAAAAAAAAAAAAAAAAAAAAAAAAAAAAAAAAAAAAAAAAAAAAAAAAAAAAAAAAAAFAAAADwAAAAAAAAAAAAAAAAAAAkUAAAAAQAAABQAAAAUAAAAFAAAAAEAAAAAAAAAZAAAAGQAAAAAAAAAZAAAAGQAAAAVAAAAYAAAAAAAAAAAAAAADwAAACADAAAAAAAAAAAAAAEAAACgMgAAVgcAAKr4//8BAAAAf39/AAEAAABkAAAAAAAAABQAAABAHwAAAAAAACYAAAAAAAAAwOD//wAAAAAmAAAAZAAAABYAAABMAAAAAAAAAAAAAAAEAAAAAAAAAAEAAADn5uYKAAAAACgAAAAoAAAAZAAAAGQAAAAAAAAAzMzMAAAAAABQAAAAUAAAAGQAAABkAAAAAAAAABcAAAAUAAAAAAAAAAAAAAD/fwAA/38AAAAAAAAJAAAABAAAAAAAAAAeAAAAaAAAAAAAAAAAAAAAAAAAAAAAAAAAAAAAECcAABAnAAAAAAAAAAAAAAAAAAAAAAAAAAAAAAAAAAAAAAAAAAAAABQAAAAAAAAAwMD/AAAAAABkAAAAMgAAAAAAAABkAAAAAAAAAH9/fwAKAAAAIgAAABgAAAAAAAAAAAAAAAAAAAAAAAAAAAAAAAAAAAAkAAAAJAAAAAAAAAAHAAAAAAAAAAAAAAAAAAAAAAAAAAAAAAAAAAAAf39/ACUAAABYAAAAAAAAAAAAAAAAAAAAAAAAAAAAAAAAAAAAAAAAAAAAAAAAAAAAAAAAAAAAAAA/AAAAAAAAAKCGAQAAAAAAAAAAAAAAAAAMAAAAAQAAAAAAAAAAAAAAAAAAAB8AAABUAAAAAAAABQAAAAEAAAAAAAAAAAAAAAAAAAAAAAAAAAAAAAAAAAAAAAAAAAAAAAJ/f38AAAAAA8zMzADAwP8Af39/AAAAAAAAAAAAAAAAAAAAAAAAAAAAIQAAABgAAAAUAAAAwAMAAKcWAACwJAAAUiIAABAAAAAmAAAACAAAAD0gAAAAAAAA"/>
+                <pr:smNativeData xmlns="smNativeData" xmlns:pr="smNativeData" xmlns:p15="http://schemas.microsoft.com/office/powerpoint/2012/main" xmlns:p14="http://schemas.microsoft.com/office/powerpoint/2010/main" xmlns:mc="http://schemas.openxmlformats.org/markup-compatibility/2006" val="SMDATA_15_q5OGZBMAAAAlAAAAZAAAAA0AAAAAAAAAAAAAAAAAAAAAAAAAAAAAAAAAAAAAAAAAAAEAAABQAAAAAAAAAAAA4D8AAAAAAADgPwAAAAAAAOA/AAAAAAAA4D8AAAAAAADgPwAAAAAAAOA/AAAAAAAA4D8AAAAAAADgPwAAAAAAAOA/AAAAAAAA4D8CAAAAjAAAAAAAAAAAAAAARHLEDP///wgAAAAAAAAAAAAAAAAAAAAAAAAAAAAAAAAAAAAAZAAAAAEAAABAAAAAAAAAAAAAAAAAAAAAAAAAAAAAAAAAAAAAAAAAAAAAAAAAAAAAAAAAAAAAAAAAAAAAAAAAAAAAAAAAAAAAAAAAAAAAAAAAAAAAAAAAAAAAAAAAAAAAFAAAADwAAAAAAAAAAAAAAAAAAAkUAAAAAQAAABQAAAAUAAAAFAAAAAEAAAAAAAAAZAAAAGQAAAAAAAAAZAAAAGQAAAAVAAAAYAAAAAAAAAAAAAAADwAAACADAAAAAAAAAAAAAAEAAACgMgAAVgcAAKr4//8BAAAAf39/AAEAAABkAAAAAAAAABQAAABAHwAAAAAAACYAAAAAAAAAwOD//wAAAAAmAAAAZAAAABYAAABMAAAAAAAAAAAAAAAEAAAAAAAAAAEAAADn5uYKAAAAACgAAAAoAAAAZAAAAGQAAAAAAAAAzMzMAAAAAABQAAAAUAAAAGQAAABkAAAAAAAAABcAAAAUAAAAAAAAAAAAAAD/fwAA/38AAAAAAAAJAAAABAAAAAAAAAAeAAAAaAAAAAAAAAAAAAAAAAAAAAAAAAAAAAAAECcAABAnAAAAAAAAAAAAAAAAAAAAAAAAAAAAAAAAAAAAAAAAAAAAABQAAAAAAAAAwMD/AAAAAABkAAAAMgAAAAAAAABkAAAAAAAAAH9/fwAKAAAAIgAAABgAAAAAAAAAAAAAAAAAAAAAAAAAAAAAAAAAAAAkAAAAJAAAAAAAAAAHAAAAAAAAAAAAAAAAAAAAAAAAAAAAAAAAAAAAf39/ACUAAABYAAAAAAAAAAAAAAAAAAAAAAAAAAAAAAAAAAAAAAAAAAAAAAAAAAAAAAAAAAAAAAA/AAAAAAAAAKCGAQAAAAAAAAAAAAAAAAAMAAAAAQAAAAAAAAAAAAAAAAAAAB8AAABUAAAAAAAABQAAAAEAAAAAAAAAAAAAAAAAAAAAAAAAAAAAAAAAAAAAAAAAAAAAAAJ/f38AAAAAA8zMzADAwP8Af39/AAAAAAAAAAAAAAAAAAAAAAAAAAAAIQAAABgAAAAUAAAAwAMAAKcWAACwJAAAUiIAABAAAAAmAAAACAAAAD0gAAAAAAAA"/>
               </a:ext>
             </a:extLst>
           </p:cNvSpPr>
@@ -1515,7 +1523,7 @@
 </file>
 
 <file path=ppt/slideLayouts/slideLayout2.xml><?xml version="1.0" encoding="utf-8"?>
-<p:sldLayout xmlns:p="http://schemas.openxmlformats.org/presentationml/2006/main" xmlns:mc="http://schemas.openxmlformats.org/markup-compatibility/2006" xmlns:p14="http://schemas.microsoft.com/office/powerpoint/2010/main" xmlns:p15="http://schemas.microsoft.com/office/powerpoint/2012/main" xmlns:r="http://schemas.openxmlformats.org/officeDocument/2006/relationships" xmlns:a="http://schemas.openxmlformats.org/drawingml/2006/main" type="tx" preserve="1">
+<p:sldLayout xmlns:a="http://schemas.openxmlformats.org/drawingml/2006/main" xmlns:r="http://schemas.openxmlformats.org/officeDocument/2006/relationships" xmlns:p="http://schemas.openxmlformats.org/presentationml/2006/main" type="tx" preserve="1">
   <p:cSld name="Title Slide">
     <p:spTree>
       <p:nvGrpSpPr>
@@ -1538,7 +1546,7 @@
             <a:spLocks noGrp="1" noChangeArrowheads="1"/>
             <a:extLst>
               <a:ext uri="smNativeData">
-                <pr:smNativeData xmlns:pr="smNativeData" xmlns="smNativeData" val="SMDATA_15_q5OGZBMAAAAlAAAAZAAAAA0AAAAAAAAAAAAAAAAAAAAAAAAAAAAAAAABAAAAAAAAAAEAAABQAAAAAAAAAAAA4D8AAAAAAADgPwAAAAAAAOA/AAAAAAAA4D8AAAAAAADgPwAAAAAAAOA/AAAAAAAA4D8AAAAAAADgPwAAAAAAAOA/AAAAAAAA4D8CAAAAjAAAAAAAAAAAAAAARHLEDP///wgAAAAAAAAAAAAAAAAAAAAAAAAAAAAAAAAAAAAAZAAAAAEAAABAAAAAAAAAAAAAAAAAAAAAAAAAAAAAAAAAAAAAAAAAAAAAAAAAAAAAAAAAAAAAAAAAAAAAAAAAAAAAAAAAAAAAAAAAAAAAAAAAAAAAAAAAAAAAAAAAAAAAFAAAADwAAAAAAAAAAAAAAAAAAAkUAAAAAQAAABQAAAAUAAAAFAAAAAEAAAAAAAAAZAAAAGQAAAAAAAAAZAAAAGQAAAAVAAAAYAAAAAAAAAAAAAAADwAAACADAAAAAAAAAAAAAAEAAACgMgAAVgcAAKr4//8BAAAAf39/AAEAAABkAAAAAAAAABQAAABAHwAAAAAAACYAAAAAAAAAwOD//wAAAAAmAAAAZAAAABYAAABMAAAAAAAAAAAAAAAEAAAAAAAAAAEAAADn5uYKAAAAACgAAAAoAAAAZAAAAGQAAAAAAAAAzMzMAAAAAABQAAAAUAAAAGQAAABkAAAAAAAAABcAAAAUAAAAAAAAAAAAAAD/fwAA/38AAAAAAAAJAAAABAAAAAAAAAAeAAAAaAAAAAAAAAAAAAAAAAAAAAAAAAAAAAAAECcAABAnAAAAAAAAAAAAAAAAAAAAAAAAAAAAAAAAAAAAAAAAAAAAABQAAAAAAAAAwMD/AAAAAABkAAAAMgAAAAAAAABkAAAAAAAAAH9/fwAKAAAAIgAAABgAAAAAAAAAAAAAAAAAAAAAAAAAAAAAAAAAAAAkAAAAJAAAAAAAAAAHAAAAAAAAAAAAAAAAAAAAAAAAAAAAAAAAAAAAf39/ACUAAABYAAAAAAAAAAAAAAAAAAAAAAAAAAAAAAAAAAAAAAAAAAAAAAAAAAAAAAAAAAAAAAA/AAAAAAAAAKCGAQAAAAAAAAAAAAAAAAAMAAAAAQAAAAAAAAAAAAAAAAAAAB8AAABUAAAAAAAABQAAAAEAAAAAAAAAAAAAAAAAAAAAAAAAAAAAAAAAAAAAAAAAAAAAAAJ/f38AAAAAA8zMzADAwP8Af39/AAAAAAAAAAAAAAAAAAAAAAAAAAAAIQAAABgAAAAUAAAAwAMAAK8BAAA/RwAAuggAABAAAAAmAAAACAAAAD0gAAAAAAAA"/>
+                <pr:smNativeData xmlns="smNativeData" xmlns:pr="smNativeData" xmlns:p15="http://schemas.microsoft.com/office/powerpoint/2012/main" xmlns:p14="http://schemas.microsoft.com/office/powerpoint/2010/main" xmlns:mc="http://schemas.openxmlformats.org/markup-compatibility/2006" val="SMDATA_15_q5OGZBMAAAAlAAAAZAAAAA0AAAAAAAAAAAAAAAAAAAAAAAAAAAAAAAABAAAAAAAAAAEAAABQAAAAAAAAAAAA4D8AAAAAAADgPwAAAAAAAOA/AAAAAAAA4D8AAAAAAADgPwAAAAAAAOA/AAAAAAAA4D8AAAAAAADgPwAAAAAAAOA/AAAAAAAA4D8CAAAAjAAAAAAAAAAAAAAARHLEDP///wgAAAAAAAAAAAAAAAAAAAAAAAAAAAAAAAAAAAAAZAAAAAEAAABAAAAAAAAAAAAAAAAAAAAAAAAAAAAAAAAAAAAAAAAAAAAAAAAAAAAAAAAAAAAAAAAAAAAAAAAAAAAAAAAAAAAAAAAAAAAAAAAAAAAAAAAAAAAAAAAAAAAAFAAAADwAAAAAAAAAAAAAAAAAAAkUAAAAAQAAABQAAAAUAAAAFAAAAAEAAAAAAAAAZAAAAGQAAAAAAAAAZAAAAGQAAAAVAAAAYAAAAAAAAAAAAAAADwAAACADAAAAAAAAAAAAAAEAAACgMgAAVgcAAKr4//8BAAAAf39/AAEAAABkAAAAAAAAABQAAABAHwAAAAAAACYAAAAAAAAAwOD//wAAAAAmAAAAZAAAABYAAABMAAAAAAAAAAAAAAAEAAAAAAAAAAEAAADn5uYKAAAAACgAAAAoAAAAZAAAAGQAAAAAAAAAzMzMAAAAAABQAAAAUAAAAGQAAABkAAAAAAAAABcAAAAUAAAAAAAAAAAAAAD/fwAA/38AAAAAAAAJAAAABAAAAAAAAAAeAAAAaAAAAAAAAAAAAAAAAAAAAAAAAAAAAAAAECcAABAnAAAAAAAAAAAAAAAAAAAAAAAAAAAAAAAAAAAAAAAAAAAAABQAAAAAAAAAwMD/AAAAAABkAAAAMgAAAAAAAABkAAAAAAAAAH9/fwAKAAAAIgAAABgAAAAAAAAAAAAAAAAAAAAAAAAAAAAAAAAAAAAkAAAAJAAAAAAAAAAHAAAAAAAAAAAAAAAAAAAAAAAAAAAAAAAAAAAAf39/ACUAAABYAAAAAAAAAAAAAAAAAAAAAAAAAAAAAAAAAAAAAAAAAAAAAAAAAAAAAAAAAAAAAAA/AAAAAAAAAKCGAQAAAAAAAAAAAAAAAAAMAAAAAQAAAAAAAAAAAAAAAAAAAB8AAABUAAAAAAAABQAAAAEAAAAAAAAAAAAAAAAAAAAAAAAAAAAAAAAAAAAAAAAAAAAAAAJ/f38AAAAAA8zMzADAwP8Af39/AAAAAAAAAAAAAAAAAAAAAAAAAAAAIQAAABgAAAAUAAAAwAMAAK8BAAA/RwAAuggAABAAAAAmAAAACAAAAD0gAAAAAAAA"/>
               </a:ext>
             </a:extLst>
           </p:cNvSpPr>
@@ -1574,7 +1582,7 @@
             <a:spLocks noGrp="1" noChangeArrowheads="1"/>
             <a:extLst>
               <a:ext uri="smNativeData">
-                <pr:smNativeData xmlns:pr="smNativeData" xmlns="smNativeData" val="SMDATA_15_q5OGZBMAAAAlAAAAZAAAAA0AAAAAAAAAAAAAAAAAAAAAAAAAAAAAAAABAAAAAAAAAAEAAABQAAAAAAAAAAAA4D8AAAAAAADgPwAAAAAAAOA/AAAAAAAA4D8AAAAAAADgPwAAAAAAAOA/AAAAAAAA4D8AAAAAAADgPwAAAAAAAOA/AAAAAAAA4D8CAAAAjAAAAAAAAAAAAAAARHLEDP///wgAAAAAAAAAAAAAAAAAAAAAAAAAAAAAAAAAAAAAZAAAAAEAAABAAAAAAAAAAAAAAAAAAAAAAAAAAAAAAAAAAAAAAAAAAAAAAAAAAAAAAAAAAAAAAAAAAAAAAAAAAAAAAAAAAAAAAAAAAAAAAAAAAAAAAAAAAAAAAAAAAAAAFAAAADwAAAAAAAAAAAAAAAAAAAkUAAAAAQAAABQAAAAUAAAAFAAAAAEAAAAAAAAAZAAAAGQAAAAAAAAAZAAAAGQAAAAVAAAAYAAAAAAAAAAAAAAADwAAACADAAAAAAAAAAAAAAEAAACgMgAAVgcAAKr4//8BAAAAf39/AAEAAABkAAAAAAAAABQAAABAHwAAAAAAACYAAAAAAAAAwOD//wAAAAAmAAAAZAAAABYAAABMAAAAAAAAAAAAAAAEAAAAAAAAAAEAAADn5uYKAAAAACgAAAAoAAAAZAAAAGQAAAAAAAAAzMzMAAAAAABQAAAAUAAAAGQAAABkAAAAAAAAABcAAAAUAAAAAAAAAAAAAAD/fwAA/38AAAAAAAAJAAAABAAAAAAAAAAeAAAAaAAAAAAAAAAAAAAAAAAAAAAAAAAAAAAAECcAABAnAAAAAAAAAAAAAAAAAAAAAAAAAAAAAAAAAAAAAAAAAAAAABQAAAAAAAAAwMD/AAAAAABkAAAAMgAAAAAAAABkAAAAAAAAAH9/fwAKAAAAIgAAABgAAAAAAAAAAAAAAAAAAAAAAAAAAAAAAAAAAAAkAAAAJAAAAAAAAAAHAAAAAAAAAAAAAAAAAAAAAAAAAAAAAAAAAAAAf39/ACUAAABYAAAAAAAAAAAAAAAAAAAAAAAAAAAAAAAAAAAAAAAAAAAAAAAAAAAAAAAAAAAAAAA/AAAAAAAAAKCGAQAAAAAAAAAAAAAAAAAMAAAAAQAAAAAAAAAAAAAAAAAAAB8AAABUAAAAAAAABQAAAAEAAAAAAAAAAAAAAAAAAAAAAAAAAAAAAAAAAAAAAAAAAAAAAAJ/f38AAAAAA8zMzADAwP8Af39/AAAAAAAAAAAAAAAAAAAAAAAAAAAAIQAAABgAAAAUAAAAwAMAAN8JAAA/RwAAViIAABAAAAAmAAAACAAAALwgAAAAAAAA"/>
+                <pr:smNativeData xmlns="smNativeData" xmlns:pr="smNativeData" xmlns:p15="http://schemas.microsoft.com/office/powerpoint/2012/main" xmlns:p14="http://schemas.microsoft.com/office/powerpoint/2010/main" xmlns:mc="http://schemas.openxmlformats.org/markup-compatibility/2006" val="SMDATA_15_q5OGZBMAAAAlAAAAZAAAAA0AAAAAAAAAAAAAAAAAAAAAAAAAAAAAAAABAAAAAAAAAAEAAABQAAAAAAAAAAAA4D8AAAAAAADgPwAAAAAAAOA/AAAAAAAA4D8AAAAAAADgPwAAAAAAAOA/AAAAAAAA4D8AAAAAAADgPwAAAAAAAOA/AAAAAAAA4D8CAAAAjAAAAAAAAAAAAAAARHLEDP///wgAAAAAAAAAAAAAAAAAAAAAAAAAAAAAAAAAAAAAZAAAAAEAAABAAAAAAAAAAAAAAAAAAAAAAAAAAAAAAAAAAAAAAAAAAAAAAAAAAAAAAAAAAAAAAAAAAAAAAAAAAAAAAAAAAAAAAAAAAAAAAAAAAAAAAAAAAAAAAAAAAAAAFAAAADwAAAAAAAAAAAAAAAAAAAkUAAAAAQAAABQAAAAUAAAAFAAAAAEAAAAAAAAAZAAAAGQAAAAAAAAAZAAAAGQAAAAVAAAAYAAAAAAAAAAAAAAADwAAACADAAAAAAAAAAAAAAEAAACgMgAAVgcAAKr4//8BAAAAf39/AAEAAABkAAAAAAAAABQAAABAHwAAAAAAACYAAAAAAAAAwOD//wAAAAAmAAAAZAAAABYAAABMAAAAAAAAAAAAAAAEAAAAAAAAAAEAAADn5uYKAAAAACgAAAAoAAAAZAAAAGQAAAAAAAAAzMzMAAAAAABQAAAAUAAAAGQAAABkAAAAAAAAABcAAAAUAAAAAAAAAAAAAAD/fwAA/38AAAAAAAAJAAAABAAAAAAAAAAeAAAAaAAAAAAAAAAAAAAAAAAAAAAAAAAAAAAAECcAABAnAAAAAAAAAAAAAAAAAAAAAAAAAAAAAAAAAAAAAAAAAAAAABQAAAAAAAAAwMD/AAAAAABkAAAAMgAAAAAAAABkAAAAAAAAAH9/fwAKAAAAIgAAABgAAAAAAAAAAAAAAAAAAAAAAAAAAAAAAAAAAAAkAAAAJAAAAAAAAAAHAAAAAAAAAAAAAAAAAAAAAAAAAAAAAAAAAAAAf39/ACUAAABYAAAAAAAAAAAAAAAAAAAAAAAAAAAAAAAAAAAAAAAAAAAAAAAAAAAAAAAAAAAAAAA/AAAAAAAAAKCGAQAAAAAAAAAAAAAAAAAMAAAAAQAAAAAAAAAAAAAAAAAAAB8AAABUAAAAAAAABQAAAAEAAAAAAAAAAAAAAAAAAAAAAAAAAAAAAAAAAAAAAAAAAAAAAAJ/f38AAAAAA8zMzADAwP8Af39/AAAAAAAAAAAAAAAAAAAAAAAAAAAAIQAAABgAAAAUAAAAwAMAAN8JAAA/RwAAViIAABAAAAAmAAAACAAAALwgAAAAAAAA"/>
               </a:ext>
             </a:extLst>
           </p:cNvSpPr>
@@ -1607,7 +1615,7 @@
 </file>
 
 <file path=ppt/slideLayouts/slideLayout20.xml><?xml version="1.0" encoding="utf-8"?>
-<p:sldLayout xmlns:p="http://schemas.openxmlformats.org/presentationml/2006/main" xmlns:mc="http://schemas.openxmlformats.org/markup-compatibility/2006" xmlns:p14="http://schemas.microsoft.com/office/powerpoint/2010/main" xmlns:p15="http://schemas.microsoft.com/office/powerpoint/2012/main" xmlns:r="http://schemas.openxmlformats.org/officeDocument/2006/relationships" xmlns:a="http://schemas.openxmlformats.org/drawingml/2006/main" type="objAndTwoObj" preserve="1">
+<p:sldLayout xmlns:a="http://schemas.openxmlformats.org/drawingml/2006/main" xmlns:r="http://schemas.openxmlformats.org/officeDocument/2006/relationships" xmlns:p="http://schemas.openxmlformats.org/presentationml/2006/main" type="objAndTwoObj" preserve="1">
   <p:cSld name="Title Content and 2 Content">
     <p:spTree>
       <p:nvGrpSpPr>
@@ -1630,7 +1638,7 @@
             <a:spLocks noGrp="1" noChangeArrowheads="1"/>
             <a:extLst>
               <a:ext uri="smNativeData">
-                <pr:smNativeData xmlns:pr="smNativeData" xmlns="smNativeData" val="SMDATA_15_q5OGZBMAAAAlAAAAZAAAAA0AAAAAAAAAAAAAAAAAAAAAAAAAAAAAAAABAAAAAAAAAAEAAABQAAAAAAAAAAAA4D8AAAAAAADgPwAAAAAAAOA/AAAAAAAA4D8AAAAAAADgPwAAAAAAAOA/AAAAAAAA4D8AAAAAAADgPwAAAAAAAOA/AAAAAAAA4D8CAAAAjAAAAAAAAAAAAAAARHLEDP///wgAAAAAAAAAAAAAAAAAAAAAAAAAAAAAAAAAAAAAZAAAAAEAAABAAAAAAAAAAAAAAAAAAAAAAAAAAAAAAAAAAAAAAAAAAAAAAAAAAAAAAAAAAAAAAAAAAAAAAAAAAAAAAAAAAAAAAAAAAAAAAAAAAAAAAAAAAAAAAAAAAAAAFAAAADwAAAAAAAAAAAAAAAAAAAkUAAAAAQAAABQAAAAUAAAAFAAAAAEAAAAAAAAAZAAAAGQAAAAAAAAAZAAAAGQAAAAVAAAAYAAAAAAAAAAAAAAADwAAACADAAAAAAAAAAAAAAEAAACgMgAAVgcAAKr4//8BAAAAf39/AAEAAABkAAAAAAAAABQAAABAHwAAAAAAACYAAAAAAAAAwOD//wAAAAAmAAAAZAAAABYAAABMAAAAAAAAAAAAAAAEAAAAAAAAAAEAAADn5uYKAAAAACgAAAAoAAAAZAAAAGQAAAAAAAAAzMzMAAAAAABQAAAAUAAAAGQAAABkAAAAAAAAABcAAAAUAAAAAAAAAAAAAAD/fwAA/38AAAAAAAAJAAAABAAAAAAAAAAeAAAAaAAAAAAAAAAAAAAAAAAAAAAAAAAAAAAAECcAABAnAAAAAAAAAAAAAAAAAAAAAAAAAAAAAAAAAAAAAAAAAAAAABQAAAAAAAAAwMD/AAAAAABkAAAAMgAAAAAAAABkAAAAAAAAAH9/fwAKAAAAIgAAABgAAAAAAAAAAAAAAAAAAAAAAAAAAAAAAAAAAAAkAAAAJAAAAAAAAAAHAAAAAAAAAAAAAAAAAAAAAAAAAAAAAAAAAAAAf39/ACUAAABYAAAAAAAAAAAAAAAAAAAAAAAAAAAAAAAAAAAAAAAAAAAAAAAAAAAAAAAAAAAAAAA/AAAAAAAAAKCGAQAAAAAAAAAAAAAAAAAMAAAAAQAAAAAAAAAAAAAAAAAAAB8AAABUAAAAAAAABQAAAAEAAAAAAAAAAAAAAAAAAAAAAAAAAAAAAAAAAAAAAAAAAAAAAAJ/f38AAAAAA8zMzADAwP8Af39/AAAAAAAAAAAAAAAAAAAAAAAAAAAAIQAAABgAAAAUAAAAwAMAAK8BAAA/RwAAuggAABAAAAAmAAAACAAAAD0gAAAAAAAA"/>
+                <pr:smNativeData xmlns="smNativeData" xmlns:pr="smNativeData" xmlns:p15="http://schemas.microsoft.com/office/powerpoint/2012/main" xmlns:p14="http://schemas.microsoft.com/office/powerpoint/2010/main" xmlns:mc="http://schemas.openxmlformats.org/markup-compatibility/2006" val="SMDATA_15_q5OGZBMAAAAlAAAAZAAAAA0AAAAAAAAAAAAAAAAAAAAAAAAAAAAAAAABAAAAAAAAAAEAAABQAAAAAAAAAAAA4D8AAAAAAADgPwAAAAAAAOA/AAAAAAAA4D8AAAAAAADgPwAAAAAAAOA/AAAAAAAA4D8AAAAAAADgPwAAAAAAAOA/AAAAAAAA4D8CAAAAjAAAAAAAAAAAAAAARHLEDP///wgAAAAAAAAAAAAAAAAAAAAAAAAAAAAAAAAAAAAAZAAAAAEAAABAAAAAAAAAAAAAAAAAAAAAAAAAAAAAAAAAAAAAAAAAAAAAAAAAAAAAAAAAAAAAAAAAAAAAAAAAAAAAAAAAAAAAAAAAAAAAAAAAAAAAAAAAAAAAAAAAAAAAFAAAADwAAAAAAAAAAAAAAAAAAAkUAAAAAQAAABQAAAAUAAAAFAAAAAEAAAAAAAAAZAAAAGQAAAAAAAAAZAAAAGQAAAAVAAAAYAAAAAAAAAAAAAAADwAAACADAAAAAAAAAAAAAAEAAACgMgAAVgcAAKr4//8BAAAAf39/AAEAAABkAAAAAAAAABQAAABAHwAAAAAAACYAAAAAAAAAwOD//wAAAAAmAAAAZAAAABYAAABMAAAAAAAAAAAAAAAEAAAAAAAAAAEAAADn5uYKAAAAACgAAAAoAAAAZAAAAGQAAAAAAAAAzMzMAAAAAABQAAAAUAAAAGQAAABkAAAAAAAAABcAAAAUAAAAAAAAAAAAAAD/fwAA/38AAAAAAAAJAAAABAAAAAAAAAAeAAAAaAAAAAAAAAAAAAAAAAAAAAAAAAAAAAAAECcAABAnAAAAAAAAAAAAAAAAAAAAAAAAAAAAAAAAAAAAAAAAAAAAABQAAAAAAAAAwMD/AAAAAABkAAAAMgAAAAAAAABkAAAAAAAAAH9/fwAKAAAAIgAAABgAAAAAAAAAAAAAAAAAAAAAAAAAAAAAAAAAAAAkAAAAJAAAAAAAAAAHAAAAAAAAAAAAAAAAAAAAAAAAAAAAAAAAAAAAf39/ACUAAABYAAAAAAAAAAAAAAAAAAAAAAAAAAAAAAAAAAAAAAAAAAAAAAAAAAAAAAAAAAAAAAA/AAAAAAAAAKCGAQAAAAAAAAAAAAAAAAAMAAAAAQAAAAAAAAAAAAAAAAAAAB8AAABUAAAAAAAABQAAAAEAAAAAAAAAAAAAAAAAAAAAAAAAAAAAAAAAAAAAAAAAAAAAAAJ/f38AAAAAA8zMzADAwP8Af39/AAAAAAAAAAAAAAAAAAAAAAAAAAAAIQAAABgAAAAUAAAAwAMAAK8BAAA/RwAAuggAABAAAAAmAAAACAAAAD0gAAAAAAAA"/>
               </a:ext>
             </a:extLst>
           </p:cNvSpPr>
@@ -1666,7 +1674,7 @@
             <a:spLocks noGrp="1" noChangeArrowheads="1"/>
             <a:extLst>
               <a:ext uri="smNativeData">
-                <pr:smNativeData xmlns:pr="smNativeData" xmlns="smNativeData" val="SMDATA_15_q5OGZBMAAAAlAAAAZAAAAA0AAAAAAAAAAAAAAAAAAAAAAAAAAAAAAAAAAAAAAAAAAAEAAABQAAAAAAAAAAAA4D8AAAAAAADgPwAAAAAAAOA/AAAAAAAA4D8AAAAAAADgPwAAAAAAAOA/AAAAAAAA4D8AAAAAAADgPwAAAAAAAOA/AAAAAAAA4D8CAAAAjAAAAAAAAAAAAAAARHLEDP///wgAAAAAAAAAAAAAAAAAAAAAAAAAAAAAAAAAAAAAZAAAAAEAAABAAAAAAAAAAAAAAAAAAAAAAAAAAAAAAAAAAAAAAAAAAAAAAAAAAAAAAAAAAAAAAAAAAAAAAAAAAAAAAAAAAAAAAAAAAAAAAAAAAAAAAAAAAAAAAAAAAAAAFAAAADwAAAAAAAAAAAAAAAAAAAkUAAAAAQAAABQAAAAUAAAAFAAAAAEAAAAAAAAAZAAAAGQAAAAAAAAAZAAAAGQAAAAVAAAAYAAAAAAAAAAAAAAADwAAACADAAAAAAAAAAAAAAEAAACgMgAAVgcAAKr4//8BAAAAf39/AAEAAABkAAAAAAAAABQAAABAHwAAAAAAACYAAAAAAAAAwOD//wAAAAAmAAAAZAAAABYAAABMAAAAAAAAAAAAAAAEAAAAAAAAAAEAAADn5uYKAAAAACgAAAAoAAAAZAAAAGQAAAAAAAAAzMzMAAAAAABQAAAAUAAAAGQAAABkAAAAAAAAABcAAAAUAAAAAAAAAAAAAAD/fwAA/38AAAAAAAAJAAAABAAAAAAAAAAeAAAAaAAAAAAAAAAAAAAAAAAAAAAAAAAAAAAAECcAABAnAAAAAAAAAAAAAAAAAAAAAAAAAAAAAAAAAAAAAAAAAAAAABQAAAAAAAAAwMD/AAAAAABkAAAAMgAAAAAAAABkAAAAAAAAAH9/fwAKAAAAIgAAABgAAAAAAAAAAAAAAAAAAAAAAAAAAAAAAAAAAAAkAAAAJAAAAAAAAAAHAAAAAAAAAAAAAAAAAAAAAAAAAAAAAAAAAAAAf39/ACUAAABYAAAAAAAAAAAAAAAAAAAAAAAAAAAAAAAAAAAAAAAAAAAAAAAAAAAAAAAAAAAAAAA/AAAAAAAAAKCGAQAAAAAAAAAAAAAAAAAMAAAAAQAAAAAAAAAAAAAAAAAAAB8AAABUAAAAAAAABQAAAAEAAAAAAAAAAAAAAAAAAAAAAAAAAAAAAAAAAAAAAAAAAAAAAAJ/f38AAAAAA8zMzADAwP8Af39/AAAAAAAAAAAAAAAAAAAAAAAAAAAAIQAAABgAAAAUAAAAwAMAAN8JAACwJAAAViIAABAAAAAmAAAACAAAAD0gAAAAAAAA"/>
+                <pr:smNativeData xmlns="smNativeData" xmlns:pr="smNativeData" xmlns:p15="http://schemas.microsoft.com/office/powerpoint/2012/main" xmlns:p14="http://schemas.microsoft.com/office/powerpoint/2010/main" xmlns:mc="http://schemas.openxmlformats.org/markup-compatibility/2006" val="SMDATA_15_q5OGZBMAAAAlAAAAZAAAAA0AAAAAAAAAAAAAAAAAAAAAAAAAAAAAAAAAAAAAAAAAAAEAAABQAAAAAAAAAAAA4D8AAAAAAADgPwAAAAAAAOA/AAAAAAAA4D8AAAAAAADgPwAAAAAAAOA/AAAAAAAA4D8AAAAAAADgPwAAAAAAAOA/AAAAAAAA4D8CAAAAjAAAAAAAAAAAAAAARHLEDP///wgAAAAAAAAAAAAAAAAAAAAAAAAAAAAAAAAAAAAAZAAAAAEAAABAAAAAAAAAAAAAAAAAAAAAAAAAAAAAAAAAAAAAAAAAAAAAAAAAAAAAAAAAAAAAAAAAAAAAAAAAAAAAAAAAAAAAAAAAAAAAAAAAAAAAAAAAAAAAAAAAAAAAFAAAADwAAAAAAAAAAAAAAAAAAAkUAAAAAQAAABQAAAAUAAAAFAAAAAEAAAAAAAAAZAAAAGQAAAAAAAAAZAAAAGQAAAAVAAAAYAAAAAAAAAAAAAAADwAAACADAAAAAAAAAAAAAAEAAACgMgAAVgcAAKr4//8BAAAAf39/AAEAAABkAAAAAAAAABQAAABAHwAAAAAAACYAAAAAAAAAwOD//wAAAAAmAAAAZAAAABYAAABMAAAAAAAAAAAAAAAEAAAAAAAAAAEAAADn5uYKAAAAACgAAAAoAAAAZAAAAGQAAAAAAAAAzMzMAAAAAABQAAAAUAAAAGQAAABkAAAAAAAAABcAAAAUAAAAAAAAAAAAAAD/fwAA/38AAAAAAAAJAAAABAAAAAAAAAAeAAAAaAAAAAAAAAAAAAAAAAAAAAAAAAAAAAAAECcAABAnAAAAAAAAAAAAAAAAAAAAAAAAAAAAAAAAAAAAAAAAAAAAABQAAAAAAAAAwMD/AAAAAABkAAAAMgAAAAAAAABkAAAAAAAAAH9/fwAKAAAAIgAAABgAAAAAAAAAAAAAAAAAAAAAAAAAAAAAAAAAAAAkAAAAJAAAAAAAAAAHAAAAAAAAAAAAAAAAAAAAAAAAAAAAAAAAAAAAf39/ACUAAABYAAAAAAAAAAAAAAAAAAAAAAAAAAAAAAAAAAAAAAAAAAAAAAAAAAAAAAAAAAAAAAA/AAAAAAAAAKCGAQAAAAAAAAAAAAAAAAAMAAAAAQAAAAAAAAAAAAAAAAAAAB8AAABUAAAAAAAABQAAAAEAAAAAAAAAAAAAAAAAAAAAAAAAAAAAAAAAAAAAAAAAAAAAAAJ/f38AAAAAA8zMzADAwP8Af39/AAAAAAAAAAAAAAAAAAAAAAAAAAAAIQAAABgAAAAUAAAAwAMAAN8JAACwJAAAViIAABAAAAAmAAAACAAAAD0gAAAAAAAA"/>
               </a:ext>
             </a:extLst>
           </p:cNvSpPr>
@@ -1702,7 +1710,7 @@
             <a:spLocks noGrp="1" noChangeArrowheads="1"/>
             <a:extLst>
               <a:ext uri="smNativeData">
-                <pr:smNativeData xmlns:pr="smNativeData" xmlns="smNativeData" val="SMDATA_15_q5OGZBMAAAAlAAAAZAAAAA0AAAAAAAAAAAAAAAAAAAAAAAAAAAAAAAAAAAAAAAAAAAEAAABQAAAAAAAAAAAA4D8AAAAAAADgPwAAAAAAAOA/AAAAAAAA4D8AAAAAAADgPwAAAAAAAOA/AAAAAAAA4D8AAAAAAADgPwAAAAAAAOA/AAAAAAAA4D8CAAAAjAAAAAAAAAAAAAAARHLEDP///wgAAAAAAAAAAAAAAAAAAAAAAAAAAAAAAAAAAAAAZAAAAAEAAABAAAAAAAAAAAAAAAAAAAAAAAAAAAAAAAAAAAAAAAAAAAAAAAAAAAAAAAAAAAAAAAAAAAAAAAAAAAAAAAAAAAAAAAAAAAAAAAAAAAAAAAAAAAAAAAAAAAAAFAAAADwAAAAAAAAAAAAAAAAAAAkUAAAAAQAAABQAAAAUAAAAFAAAAAEAAAAAAAAAZAAAAGQAAAAAAAAAZAAAAGQAAAAVAAAAYAAAAAAAAAAAAAAADwAAACADAAAAAAAAAAAAAAEAAACgMgAAVgcAAKr4//8BAAAAf39/AAEAAABkAAAAAAAAABQAAABAHwAAAAAAACYAAAAAAAAAwOD//wAAAAAmAAAAZAAAABYAAABMAAAAAAAAAAAAAAAEAAAAAAAAAAEAAADn5uYKAAAAACgAAAAoAAAAZAAAAGQAAAAAAAAAzMzMAAAAAABQAAAAUAAAAGQAAABkAAAAAAAAABcAAAAUAAAAAAAAAAAAAAD/fwAA/38AAAAAAAAJAAAABAAAAF9yZWweAAAAaAAAAAAAAAAAAAAAAAAAAAAAAAAAAAAAECcAABAnAAAAAAAAAAAAAAAAAAAAAAAAAAAAAAAAAAAAAAAAAAAAABQAAAAAAAAAwMD/AAAAAABkAAAAMgAAAAAAAABkAAAAAAAAAH9/fwAKAAAAIgAAABgAAAAAAAAAAAAAAAAAAAAAAAAAAAAAAAAAAAAkAAAAJAAAAAAAAAAHAAAAAAAAAAAAAAAAAAAAAAAAAAAAAAAAAAAAf39/ACUAAABYAAAAAAAAAAAAAAAAAAAAAAAAAAAAAAAAAAAAAAAAAAAAAAAAAAAAAAAAAAAAAAA/AAAAAAAAAKCGAQAAAAAAAAAAAAAAAAAMAAAAAQAAAAAAAAAAAAAAAAAAAB8AAABUAAAAAAAABQAAAAEAAAAAAAAAAAAAAAAAAAAAAAAAAAAAAAAAAAAAAAAAAAAAAAJ/f38AAAAAA8zMzADAwP8Af39/AAAAAAAAAAAAAAAAAAAAAAAAAAAAIQAAABgAAAAUAAAAViYAAN8JAABGRwAAihUAABAAAAAmAAAACAAAAD0gAAAAAAAA"/>
+                <pr:smNativeData xmlns="smNativeData" xmlns:pr="smNativeData" xmlns:p15="http://schemas.microsoft.com/office/powerpoint/2012/main" xmlns:p14="http://schemas.microsoft.com/office/powerpoint/2010/main" xmlns:mc="http://schemas.openxmlformats.org/markup-compatibility/2006" val="SMDATA_15_q5OGZBMAAAAlAAAAZAAAAA0AAAAAAAAAAAAAAAAAAAAAAAAAAAAAAAAAAAAAAAAAAAEAAABQAAAAAAAAAAAA4D8AAAAAAADgPwAAAAAAAOA/AAAAAAAA4D8AAAAAAADgPwAAAAAAAOA/AAAAAAAA4D8AAAAAAADgPwAAAAAAAOA/AAAAAAAA4D8CAAAAjAAAAAAAAAAAAAAARHLEDP///wgAAAAAAAAAAAAAAAAAAAAAAAAAAAAAAAAAAAAAZAAAAAEAAABAAAAAAAAAAAAAAAAAAAAAAAAAAAAAAAAAAAAAAAAAAAAAAAAAAAAAAAAAAAAAAAAAAAAAAAAAAAAAAAAAAAAAAAAAAAAAAAAAAAAAAAAAAAAAAAAAAAAAFAAAADwAAAAAAAAAAAAAAAAAAAkUAAAAAQAAABQAAAAUAAAAFAAAAAEAAAAAAAAAZAAAAGQAAAAAAAAAZAAAAGQAAAAVAAAAYAAAAAAAAAAAAAAADwAAACADAAAAAAAAAAAAAAEAAACgMgAAVgcAAKr4//8BAAAAf39/AAEAAABkAAAAAAAAABQAAABAHwAAAAAAACYAAAAAAAAAwOD//wAAAAAmAAAAZAAAABYAAABMAAAAAAAAAAAAAAAEAAAAAAAAAAEAAADn5uYKAAAAACgAAAAoAAAAZAAAAGQAAAAAAAAAzMzMAAAAAABQAAAAUAAAAGQAAABkAAAAAAAAABcAAAAUAAAAAAAAAAAAAAD/fwAA/38AAAAAAAAJAAAABAAAAF9yZWweAAAAaAAAAAAAAAAAAAAAAAAAAAAAAAAAAAAAECcAABAnAAAAAAAAAAAAAAAAAAAAAAAAAAAAAAAAAAAAAAAAAAAAABQAAAAAAAAAwMD/AAAAAABkAAAAMgAAAAAAAABkAAAAAAAAAH9/fwAKAAAAIgAAABgAAAAAAAAAAAAAAAAAAAAAAAAAAAAAAAAAAAAkAAAAJAAAAAAAAAAHAAAAAAAAAAAAAAAAAAAAAAAAAAAAAAAAAAAAf39/ACUAAABYAAAAAAAAAAAAAAAAAAAAAAAAAAAAAAAAAAAAAAAAAAAAAAAAAAAAAAAAAAAAAAA/AAAAAAAAAKCGAQAAAAAAAAAAAAAAAAAMAAAAAQAAAAAAAAAAAAAAAAAAAB8AAABUAAAAAAAABQAAAAEAAAAAAAAAAAAAAAAAAAAAAAAAAAAAAAAAAAAAAAAAAAAAAAJ/f38AAAAAA8zMzADAwP8Af39/AAAAAAAAAAAAAAAAAAAAAAAAAAAAIQAAABgAAAAUAAAAViYAAN8JAABGRwAAihUAABAAAAAmAAAACAAAAD0gAAAAAAAA"/>
               </a:ext>
             </a:extLst>
           </p:cNvSpPr>
@@ -1738,7 +1746,7 @@
             <a:spLocks noGrp="1" noChangeArrowheads="1"/>
             <a:extLst>
               <a:ext uri="smNativeData">
-                <pr:smNativeData xmlns:pr="smNativeData" xmlns="smNativeData" val="SMDATA_15_q5OGZBMAAAAlAAAAZAAAAA0AAAAAAAAAAAAAAAAAAAAAAAAAAAAAAAAAAAAAAAAAAAEAAABQAAAAAAAAAAAA4D8AAAAAAADgPwAAAAAAAOA/AAAAAAAA4D8AAAAAAADgPwAAAAAAAOA/AAAAAAAA4D8AAAAAAADgPwAAAAAAAOA/AAAAAAAA4D8CAAAAjAAAAAAAAAAAAAAARHLEDP///wgAAAAAAAAAAAAAAAAAAAAAAAAAAAAAAAAAAAAAZAAAAAEAAABAAAAAAAAAAAAAAAAAAAAAAAAAAAAAAAAAAAAAAAAAAAAAAAAAAAAAAAAAAAAAAAAAAAAAAAAAAAAAAAAAAAAAAAAAAAAAAAAAAAAAAAAAAAAAAAAAAAAAFAAAADwAAAAAAAAAAAAAAAAAAAkUAAAAAQAAABQAAAAUAAAAFAAAAAEAAAAAAAAAZAAAAGQAAAAAAAAAZAAAAGQAAAAVAAAAYAAAAAAAAAAAAAAADwAAACADAAAAAAAAAAAAAAEAAACgMgAAVgcAAKr4//8BAAAAf39/AAEAAABkAAAAAAAAABQAAABAHwAAAAAAACYAAAAAAAAAwOD//wAAAAAmAAAAZAAAABYAAABMAAAAAAAAAAAAAAAEAAAAAAAAAAEAAADn5uYKAAAAACgAAAAoAAAAZAAAAGQAAAAAAAAAzMzMAAAAAABQAAAAUAAAAGQAAABkAAAAAAAAABcAAAAUAAAAAAAAAAAAAAD/fwAA/38AAAAAAAAJAAAABAAAAAAAAAAeAAAAaAAAAAAAAAAAAAAAAAAAAAAAAAAAAAAAECcAABAnAAAAAAAAAAAAAAAAAAAAAAAAAAAAAAAAAAAAAAAAAAAAABQAAAAAAAAAwMD/AAAAAABkAAAAMgAAAAAAAABkAAAAAAAAAH9/fwAKAAAAIgAAABgAAAAAAAAAAAAAAAAAAAAAAAAAAAAAAAAAAAAkAAAAJAAAAAAAAAAHAAAAAAAAAAAAAAAAAAAAAAAAAAAAAAAAAAAAf39/ACUAAABYAAAAAAAAAAAAAAAAAAAAAAAAAAAAAAAAAAAAAAAAAAAAAAAAAAAAAAAAAAAAAAA/AAAAAAAAAKCGAQAAAAAAAAAAAAAAAAAMAAAAAQAAAAAAAAAAAAAAAAAAAB8AAABUAAAAAAAABQAAAAEAAAAAAAAAAAAAAAAAAAAAAAAAAAAAAAAAAAAAAAAAAAAAAAJ/f38AAAAAA8zMzADAwP8Af39/AAAAAAAAAAAAAAAAAAAAAAAAAAAAIQAAABgAAAAUAAAAViYAAKcWAABGRwAAUiIAABAAAAAmAAAACAAAAD0gAAAAAAAA"/>
+                <pr:smNativeData xmlns="smNativeData" xmlns:pr="smNativeData" xmlns:p15="http://schemas.microsoft.com/office/powerpoint/2012/main" xmlns:p14="http://schemas.microsoft.com/office/powerpoint/2010/main" xmlns:mc="http://schemas.openxmlformats.org/markup-compatibility/2006" val="SMDATA_15_q5OGZBMAAAAlAAAAZAAAAA0AAAAAAAAAAAAAAAAAAAAAAAAAAAAAAAAAAAAAAAAAAAEAAABQAAAAAAAAAAAA4D8AAAAAAADgPwAAAAAAAOA/AAAAAAAA4D8AAAAAAADgPwAAAAAAAOA/AAAAAAAA4D8AAAAAAADgPwAAAAAAAOA/AAAAAAAA4D8CAAAAjAAAAAAAAAAAAAAARHLEDP///wgAAAAAAAAAAAAAAAAAAAAAAAAAAAAAAAAAAAAAZAAAAAEAAABAAAAAAAAAAAAAAAAAAAAAAAAAAAAAAAAAAAAAAAAAAAAAAAAAAAAAAAAAAAAAAAAAAAAAAAAAAAAAAAAAAAAAAAAAAAAAAAAAAAAAAAAAAAAAAAAAAAAAFAAAADwAAAAAAAAAAAAAAAAAAAkUAAAAAQAAABQAAAAUAAAAFAAAAAEAAAAAAAAAZAAAAGQAAAAAAAAAZAAAAGQAAAAVAAAAYAAAAAAAAAAAAAAADwAAACADAAAAAAAAAAAAAAEAAACgMgAAVgcAAKr4//8BAAAAf39/AAEAAABkAAAAAAAAABQAAABAHwAAAAAAACYAAAAAAAAAwOD//wAAAAAmAAAAZAAAABYAAABMAAAAAAAAAAAAAAAEAAAAAAAAAAEAAADn5uYKAAAAACgAAAAoAAAAZAAAAGQAAAAAAAAAzMzMAAAAAABQAAAAUAAAAGQAAABkAAAAAAAAABcAAAAUAAAAAAAAAAAAAAD/fwAA/38AAAAAAAAJAAAABAAAAAAAAAAeAAAAaAAAAAAAAAAAAAAAAAAAAAAAAAAAAAAAECcAABAnAAAAAAAAAAAAAAAAAAAAAAAAAAAAAAAAAAAAAAAAAAAAABQAAAAAAAAAwMD/AAAAAABkAAAAMgAAAAAAAABkAAAAAAAAAH9/fwAKAAAAIgAAABgAAAAAAAAAAAAAAAAAAAAAAAAAAAAAAAAAAAAkAAAAJAAAAAAAAAAHAAAAAAAAAAAAAAAAAAAAAAAAAAAAAAAAAAAAf39/ACUAAABYAAAAAAAAAAAAAAAAAAAAAAAAAAAAAAAAAAAAAAAAAAAAAAAAAAAAAAAAAAAAAAA/AAAAAAAAAKCGAQAAAAAAAAAAAAAAAAAMAAAAAQAAAAAAAAAAAAAAAAAAAB8AAABUAAAAAAAABQAAAAEAAAAAAAAAAAAAAAAAAAAAAAAAAAAAAAAAAAAAAAAAAAAAAAJ/f38AAAAAA8zMzADAwP8Af39/AAAAAAAAAAAAAAAAAAAAAAAAAAAAIQAAABgAAAAUAAAAViYAAKcWAABGRwAAUiIAABAAAAAmAAAACAAAAD0gAAAAAAAA"/>
               </a:ext>
             </a:extLst>
           </p:cNvSpPr>
@@ -1776,7 +1784,7 @@
 </file>
 
 <file path=ppt/slideLayouts/slideLayout21.xml><?xml version="1.0" encoding="utf-8"?>
-<p:sldLayout xmlns:p="http://schemas.openxmlformats.org/presentationml/2006/main" xmlns:mc="http://schemas.openxmlformats.org/markup-compatibility/2006" xmlns:p14="http://schemas.microsoft.com/office/powerpoint/2010/main" xmlns:p15="http://schemas.microsoft.com/office/powerpoint/2012/main" xmlns:r="http://schemas.openxmlformats.org/officeDocument/2006/relationships" xmlns:a="http://schemas.openxmlformats.org/drawingml/2006/main" type="twoObjOverTx" preserve="1">
+<p:sldLayout xmlns:a="http://schemas.openxmlformats.org/drawingml/2006/main" xmlns:r="http://schemas.openxmlformats.org/officeDocument/2006/relationships" xmlns:p="http://schemas.openxmlformats.org/presentationml/2006/main" type="twoObjOverTx" preserve="1">
   <p:cSld name="Title, 2 Content over Content">
     <p:spTree>
       <p:nvGrpSpPr>
@@ -1799,7 +1807,7 @@
             <a:spLocks noGrp="1" noChangeArrowheads="1"/>
             <a:extLst>
               <a:ext uri="smNativeData">
-                <pr:smNativeData xmlns:pr="smNativeData" xmlns="smNativeData" val="SMDATA_15_q5OGZBMAAAAlAAAAZAAAAA0AAAAAAAAAAAAAAAAAAAAAAAAAAAAAAAABAAAAAAAAAAEAAABQAAAAAAAAAAAA4D8AAAAAAADgPwAAAAAAAOA/AAAAAAAA4D8AAAAAAADgPwAAAAAAAOA/AAAAAAAA4D8AAAAAAADgPwAAAAAAAOA/AAAAAAAA4D8CAAAAjAAAAAAAAAAAAAAARHLEDP///wgAAAAAAAAAAAAAAAAAAAAAAAAAAAAAAAAAAAAAZAAAAAEAAABAAAAAAAAAAAAAAAAAAAAAAAAAAAAAAAAAAAAAAAAAAAAAAAAAAAAAAAAAAAAAAAAAAAAAAAAAAAAAAAAAAAAAAAAAAAAAAAAAAAAAAAAAAAAAAAAAAAAAFAAAADwAAAAAAAAAAAAAAAAAAAkUAAAAAQAAABQAAAAUAAAAFAAAAAEAAAAAAAAAZAAAAGQAAAAAAAAAZAAAAGQAAAAVAAAAYAAAAAAAAAAAAAAADwAAACADAAAAAAAAAAAAAAEAAACgMgAAVgcAAKr4//8BAAAAf39/AAEAAABkAAAAAAAAABQAAABAHwAAAAAAACYAAAAAAAAAwOD//wAAAAAmAAAAZAAAABYAAABMAAAAAAAAAAAAAAAEAAAAAAAAAAEAAADn5uYKAAAAACgAAAAoAAAAZAAAAGQAAAAAAAAAzMzMAAAAAABQAAAAUAAAAGQAAABkAAAAAAAAABcAAAAUAAAAAAAAAAAAAAD/fwAA/38AAAAAAAAJAAAABAAAAJgGAAAeAAAAaAAAAAAAAAAAAAAAAAAAAAAAAAAAAAAAECcAABAnAAAAAAAAAAAAAAAAAAAAAAAAAAAAAAAAAAAAAAAAAAAAABQAAAAAAAAAwMD/AAAAAABkAAAAMgAAAAAAAABkAAAAAAAAAH9/fwAKAAAAIgAAABgAAAAAAAAAAAAAAAAAAAAAAAAAAAAAAAAAAAAkAAAAJAAAAAAAAAAHAAAAAAAAAAAAAAAAAAAAAAAAAAAAAAAAAAAAf39/ACUAAABYAAAAAAAAAAAAAAAAAAAAAAAAAAAAAAAAAAAAAAAAAAAAAAAAAAAAAAAAAAAAAAA/AAAAAAAAAKCGAQAAAAAAAAAAAAAAAAAMAAAAAQAAAAAAAAAAAAAAAAAAAB8AAABUAAAAAAAABQAAAAEAAAAAAAAAAAAAAAAAAAAAAAAAAAAAAAAAAAAAAAAAAAAAAAJ/f38AAAAAA8zMzADAwP8Af39/AAAAAAAAAAAAAAAAAAAAAAAAAAAAIQAAABgAAAAUAAAAwAMAAK8BAAA/RwAAuggAABAAAAAmAAAACAAAAD0gAAAAAAAA"/>
+                <pr:smNativeData xmlns="smNativeData" xmlns:pr="smNativeData" xmlns:p15="http://schemas.microsoft.com/office/powerpoint/2012/main" xmlns:p14="http://schemas.microsoft.com/office/powerpoint/2010/main" xmlns:mc="http://schemas.openxmlformats.org/markup-compatibility/2006" val="SMDATA_15_q5OGZBMAAAAlAAAAZAAAAA0AAAAAAAAAAAAAAAAAAAAAAAAAAAAAAAABAAAAAAAAAAEAAABQAAAAAAAAAAAA4D8AAAAAAADgPwAAAAAAAOA/AAAAAAAA4D8AAAAAAADgPwAAAAAAAOA/AAAAAAAA4D8AAAAAAADgPwAAAAAAAOA/AAAAAAAA4D8CAAAAjAAAAAAAAAAAAAAARHLEDP///wgAAAAAAAAAAAAAAAAAAAAAAAAAAAAAAAAAAAAAZAAAAAEAAABAAAAAAAAAAAAAAAAAAAAAAAAAAAAAAAAAAAAAAAAAAAAAAAAAAAAAAAAAAAAAAAAAAAAAAAAAAAAAAAAAAAAAAAAAAAAAAAAAAAAAAAAAAAAAAAAAAAAAFAAAADwAAAAAAAAAAAAAAAAAAAkUAAAAAQAAABQAAAAUAAAAFAAAAAEAAAAAAAAAZAAAAGQAAAAAAAAAZAAAAGQAAAAVAAAAYAAAAAAAAAAAAAAADwAAACADAAAAAAAAAAAAAAEAAACgMgAAVgcAAKr4//8BAAAAf39/AAEAAABkAAAAAAAAABQAAABAHwAAAAAAACYAAAAAAAAAwOD//wAAAAAmAAAAZAAAABYAAABMAAAAAAAAAAAAAAAEAAAAAAAAAAEAAADn5uYKAAAAACgAAAAoAAAAZAAAAGQAAAAAAAAAzMzMAAAAAABQAAAAUAAAAGQAAABkAAAAAAAAABcAAAAUAAAAAAAAAAAAAAD/fwAA/38AAAAAAAAJAAAABAAAAJgGAAAeAAAAaAAAAAAAAAAAAAAAAAAAAAAAAAAAAAAAECcAABAnAAAAAAAAAAAAAAAAAAAAAAAAAAAAAAAAAAAAAAAAAAAAABQAAAAAAAAAwMD/AAAAAABkAAAAMgAAAAAAAABkAAAAAAAAAH9/fwAKAAAAIgAAABgAAAAAAAAAAAAAAAAAAAAAAAAAAAAAAAAAAAAkAAAAJAAAAAAAAAAHAAAAAAAAAAAAAAAAAAAAAAAAAAAAAAAAAAAAf39/ACUAAABYAAAAAAAAAAAAAAAAAAAAAAAAAAAAAAAAAAAAAAAAAAAAAAAAAAAAAAAAAAAAAAA/AAAAAAAAAKCGAQAAAAAAAAAAAAAAAAAMAAAAAQAAAAAAAAAAAAAAAAAAAB8AAABUAAAAAAAABQAAAAEAAAAAAAAAAAAAAAAAAAAAAAAAAAAAAAAAAAAAAAAAAAAAAAJ/f38AAAAAA8zMzADAwP8Af39/AAAAAAAAAAAAAAAAAAAAAAAAAAAAIQAAABgAAAAUAAAAwAMAAK8BAAA/RwAAuggAABAAAAAmAAAACAAAAD0gAAAAAAAA"/>
               </a:ext>
             </a:extLst>
           </p:cNvSpPr>
@@ -1835,7 +1843,7 @@
             <a:spLocks noGrp="1" noChangeArrowheads="1"/>
             <a:extLst>
               <a:ext uri="smNativeData">
-                <pr:smNativeData xmlns:pr="smNativeData" xmlns="smNativeData" val="SMDATA_15_q5OGZBMAAAAlAAAAZAAAAA0AAAAAAAAAAAAAAAAAAAAAAAAAAAAAAAAAAAAAAAAAAAEAAABQAAAAAAAAAAAA4D8AAAAAAADgPwAAAAAAAOA/AAAAAAAA4D8AAAAAAADgPwAAAAAAAOA/AAAAAAAA4D8AAAAAAADgPwAAAAAAAOA/AAAAAAAA4D8CAAAAjAAAAAAAAAAAAAAARHLEDP///wgAAAAAAAAAAAAAAAAAAAAAAAAAAAAAAAAAAAAAZAAAAAEAAABAAAAAAAAAAAAAAAAAAAAAAAAAAAAAAAAAAAAAAAAAAAAAAAAAAAAAAAAAAAAAAAAAAAAAAAAAAAAAAAAAAAAAAAAAAAAAAAAAAAAAAAAAAAAAAAAAAAAAFAAAADwAAAAAAAAAAAAAAAAAAAkUAAAAAQAAABQAAAAUAAAAFAAAAAEAAAAAAAAAZAAAAGQAAAAAAAAAZAAAAGQAAAAVAAAAYAAAAAAAAAAAAAAADwAAACADAAAAAAAAAAAAAAEAAACgMgAAVgcAAKr4//8BAAAAf39/AAEAAABkAAAAAAAAABQAAABAHwAAAAAAACYAAAAAAAAAwOD//wAAAAAmAAAAZAAAABYAAABMAAAAAAAAAAAAAAAEAAAAAAAAAAEAAADn5uYKAAAAACgAAAAoAAAAZAAAAGQAAAAAAAAAzMzMAAAAAABQAAAAUAAAAGQAAABkAAAAAAAAABcAAAAUAAAAAAAAAAAAAAD/fwAA/38AAAAAAAAJAAAABAAAAAAAAAAeAAAAaAAAAAAAAAAAAAAAAAAAAAAAAAAAAAAAECcAABAnAAAAAAAAAAAAAAAAAAAAAAAAAAAAAAAAAAAAAAAAAAAAABQAAAAAAAAAwMD/AAAAAABkAAAAMgAAAAAAAABkAAAAAAAAAH9/fwAKAAAAIgAAABgAAAAAAAAAAAAAAAAAAAAAAAAAAAAAAAAAAAAkAAAAJAAAAAAAAAAHAAAAAAAAAAAAAAAAAAAAAAAAAAAAAAAAAAAAf39/ACUAAABYAAAAAAAAAAAAAAAAAAAAAAAAAAAAAAAAAAAAAAAAAAAAAAAAAAAAAAAAAAAAAAA/AAAAAAAAAKCGAQAAAAAAAAAAAAAAAAAMAAAAAQAAAAAAAAAAAAAAAAAAAB8AAABUAAAAAAAABQAAAAEAAAAAAAAAAAAAAAAAAAAAAAAAAAAAAAAAAAAAAAAAAAAAAAJ/f38AAAAAA8zMzADAwP8Af39/AAAAAAAAAAAAAAAAAAAAAAAAAAAAIQAAABgAAAAUAAAAwAMAAN8JAACwJAAAihUAABAAAAAmAAAACAAAAD0gAAAAAAAA"/>
+                <pr:smNativeData xmlns="smNativeData" xmlns:pr="smNativeData" xmlns:p15="http://schemas.microsoft.com/office/powerpoint/2012/main" xmlns:p14="http://schemas.microsoft.com/office/powerpoint/2010/main" xmlns:mc="http://schemas.openxmlformats.org/markup-compatibility/2006" val="SMDATA_15_q5OGZBMAAAAlAAAAZAAAAA0AAAAAAAAAAAAAAAAAAAAAAAAAAAAAAAAAAAAAAAAAAAEAAABQAAAAAAAAAAAA4D8AAAAAAADgPwAAAAAAAOA/AAAAAAAA4D8AAAAAAADgPwAAAAAAAOA/AAAAAAAA4D8AAAAAAADgPwAAAAAAAOA/AAAAAAAA4D8CAAAAjAAAAAAAAAAAAAAARHLEDP///wgAAAAAAAAAAAAAAAAAAAAAAAAAAAAAAAAAAAAAZAAAAAEAAABAAAAAAAAAAAAAAAAAAAAAAAAAAAAAAAAAAAAAAAAAAAAAAAAAAAAAAAAAAAAAAAAAAAAAAAAAAAAAAAAAAAAAAAAAAAAAAAAAAAAAAAAAAAAAAAAAAAAAFAAAADwAAAAAAAAAAAAAAAAAAAkUAAAAAQAAABQAAAAUAAAAFAAAAAEAAAAAAAAAZAAAAGQAAAAAAAAAZAAAAGQAAAAVAAAAYAAAAAAAAAAAAAAADwAAACADAAAAAAAAAAAAAAEAAACgMgAAVgcAAKr4//8BAAAAf39/AAEAAABkAAAAAAAAABQAAABAHwAAAAAAACYAAAAAAAAAwOD//wAAAAAmAAAAZAAAABYAAABMAAAAAAAAAAAAAAAEAAAAAAAAAAEAAADn5uYKAAAAACgAAAAoAAAAZAAAAGQAAAAAAAAAzMzMAAAAAABQAAAAUAAAAGQAAABkAAAAAAAAABcAAAAUAAAAAAAAAAAAAAD/fwAA/38AAAAAAAAJAAAABAAAAAAAAAAeAAAAaAAAAAAAAAAAAAAAAAAAAAAAAAAAAAAAECcAABAnAAAAAAAAAAAAAAAAAAAAAAAAAAAAAAAAAAAAAAAAAAAAABQAAAAAAAAAwMD/AAAAAABkAAAAMgAAAAAAAABkAAAAAAAAAH9/fwAKAAAAIgAAABgAAAAAAAAAAAAAAAAAAAAAAAAAAAAAAAAAAAAkAAAAJAAAAAAAAAAHAAAAAAAAAAAAAAAAAAAAAAAAAAAAAAAAAAAAf39/ACUAAABYAAAAAAAAAAAAAAAAAAAAAAAAAAAAAAAAAAAAAAAAAAAAAAAAAAAAAAAAAAAAAAA/AAAAAAAAAKCGAQAAAAAAAAAAAAAAAAAMAAAAAQAAAAAAAAAAAAAAAAAAAB8AAABUAAAAAAAABQAAAAEAAAAAAAAAAAAAAAAAAAAAAAAAAAAAAAAAAAAAAAAAAAAAAAJ/f38AAAAAA8zMzADAwP8Af39/AAAAAAAAAAAAAAAAAAAAAAAAAAAAIQAAABgAAAAUAAAAwAMAAN8JAACwJAAAihUAABAAAAAmAAAACAAAAD0gAAAAAAAA"/>
               </a:ext>
             </a:extLst>
           </p:cNvSpPr>
@@ -1871,7 +1879,7 @@
             <a:spLocks noGrp="1" noChangeArrowheads="1"/>
             <a:extLst>
               <a:ext uri="smNativeData">
-                <pr:smNativeData xmlns:pr="smNativeData" xmlns="smNativeData" val="SMDATA_15_q5OGZBMAAAAlAAAAZAAAAA0AAAAAAAAAAAAAAAAAAAAAAAAAAAAAAAAAAAAAAAAAAAEAAABQAAAAAAAAAAAA4D8AAAAAAADgPwAAAAAAAOA/AAAAAAAA4D8AAAAAAADgPwAAAAAAAOA/AAAAAAAA4D8AAAAAAADgPwAAAAAAAOA/AAAAAAAA4D8CAAAAjAAAAAAAAAAAAAAARHLEDP///wgAAAAAAAAAAAAAAAAAAAAAAAAAAAAAAAAAAAAAZAAAAAEAAABAAAAAAAAAAAAAAAAAAAAAAAAAAAAAAAAAAAAAAAAAAAAAAAAAAAAAAAAAAAAAAAAAAAAAAAAAAAAAAAAAAAAAAAAAAAAAAAAAAAAAAAAAAAAAAAAAAAAAFAAAADwAAAAAAAAAAAAAAAAAAAkUAAAAAQAAABQAAAAUAAAAFAAAAAEAAAAAAAAAZAAAAGQAAAAAAAAAZAAAAGQAAAAVAAAAYAAAAAAAAAAAAAAADwAAACADAAAAAAAAAAAAAAEAAACgMgAAVgcAAKr4//8BAAAAf39/AAEAAABkAAAAAAAAABQAAABAHwAAAAAAACYAAAAAAAAAwOD//wAAAAAmAAAAZAAAABYAAABMAAAAAAAAAAAAAAAEAAAAAAAAAAEAAADn5uYKAAAAACgAAAAoAAAAZAAAAGQAAAAAAAAAzMzMAAAAAABQAAAAUAAAAGQAAABkAAAAAAAAABcAAAAUAAAAAAAAAAAAAAD/fwAA/38AAAAAAAAJAAAABAAAAAAAAAAeAAAAaAAAAAAAAAAAAAAAAAAAAAAAAAAAAAAAECcAABAnAAAAAAAAAAAAAAAAAAAAAAAAAAAAAAAAAAAAAAAAAAAAABQAAAAAAAAAwMD/AAAAAABkAAAAMgAAAAAAAABkAAAAAAAAAH9/fwAKAAAAIgAAABgAAAAAAAAAAAAAAAAAAAAAAAAAAAAAAAAAAAAkAAAAJAAAAAAAAAAHAAAAAAAAAAAAAAAAAAAAAAAAAAAAAAAAAAAAf39/ACUAAABYAAAAAAAAAAAAAAAAAAAAAAAAAAAAAAAAAAAAAAAAAAAAAAAAAAAAAAAAAAAAAAA/AAAAAAAAAKCGAQAAAAAAAAAAAAAAAAAMAAAAAQAAAAAAAAAAAAAAAAAAAB8AAABUAAAAAAAABQAAAAEAAAAAAAAAAAAAAAAAAAAAAAAAAAAAAAAAAAAAAAAAAAAAAAJ/f38AAAAAA8zMzADAwP8Af39/AAAAAAAAAAAAAAAAAAAAAAAAAAAAIQAAABgAAAAUAAAAViYAAN8JAABGRwAAihUAABAAAAAmAAAACAAAAD0gAAAAAAAA"/>
+                <pr:smNativeData xmlns="smNativeData" xmlns:pr="smNativeData" xmlns:p15="http://schemas.microsoft.com/office/powerpoint/2012/main" xmlns:p14="http://schemas.microsoft.com/office/powerpoint/2010/main" xmlns:mc="http://schemas.openxmlformats.org/markup-compatibility/2006" val="SMDATA_15_q5OGZBMAAAAlAAAAZAAAAA0AAAAAAAAAAAAAAAAAAAAAAAAAAAAAAAAAAAAAAAAAAAEAAABQAAAAAAAAAAAA4D8AAAAAAADgPwAAAAAAAOA/AAAAAAAA4D8AAAAAAADgPwAAAAAAAOA/AAAAAAAA4D8AAAAAAADgPwAAAAAAAOA/AAAAAAAA4D8CAAAAjAAAAAAAAAAAAAAARHLEDP///wgAAAAAAAAAAAAAAAAAAAAAAAAAAAAAAAAAAAAAZAAAAAEAAABAAAAAAAAAAAAAAAAAAAAAAAAAAAAAAAAAAAAAAAAAAAAAAAAAAAAAAAAAAAAAAAAAAAAAAAAAAAAAAAAAAAAAAAAAAAAAAAAAAAAAAAAAAAAAAAAAAAAAFAAAADwAAAAAAAAAAAAAAAAAAAkUAAAAAQAAABQAAAAUAAAAFAAAAAEAAAAAAAAAZAAAAGQAAAAAAAAAZAAAAGQAAAAVAAAAYAAAAAAAAAAAAAAADwAAACADAAAAAAAAAAAAAAEAAACgMgAAVgcAAKr4//8BAAAAf39/AAEAAABkAAAAAAAAABQAAABAHwAAAAAAACYAAAAAAAAAwOD//wAAAAAmAAAAZAAAABYAAABMAAAAAAAAAAAAAAAEAAAAAAAAAAEAAADn5uYKAAAAACgAAAAoAAAAZAAAAGQAAAAAAAAAzMzMAAAAAABQAAAAUAAAAGQAAABkAAAAAAAAABcAAAAUAAAAAAAAAAAAAAD/fwAA/38AAAAAAAAJAAAABAAAAAAAAAAeAAAAaAAAAAAAAAAAAAAAAAAAAAAAAAAAAAAAECcAABAnAAAAAAAAAAAAAAAAAAAAAAAAAAAAAAAAAAAAAAAAAAAAABQAAAAAAAAAwMD/AAAAAABkAAAAMgAAAAAAAABkAAAAAAAAAH9/fwAKAAAAIgAAABgAAAAAAAAAAAAAAAAAAAAAAAAAAAAAAAAAAAAkAAAAJAAAAAAAAAAHAAAAAAAAAAAAAAAAAAAAAAAAAAAAAAAAAAAAf39/ACUAAABYAAAAAAAAAAAAAAAAAAAAAAAAAAAAAAAAAAAAAAAAAAAAAAAAAAAAAAAAAAAAAAA/AAAAAAAAAKCGAQAAAAAAAAAAAAAAAAAMAAAAAQAAAAAAAAAAAAAAAAAAAB8AAABUAAAAAAAABQAAAAEAAAAAAAAAAAAAAAAAAAAAAAAAAAAAAAAAAAAAAAAAAAAAAAJ/f38AAAAAA8zMzADAwP8Af39/AAAAAAAAAAAAAAAAAAAAAAAAAAAAIQAAABgAAAAUAAAAViYAAN8JAABGRwAAihUAABAAAAAmAAAACAAAAD0gAAAAAAAA"/>
               </a:ext>
             </a:extLst>
           </p:cNvSpPr>
@@ -1907,7 +1915,7 @@
             <a:spLocks noGrp="1" noChangeArrowheads="1"/>
             <a:extLst>
               <a:ext uri="smNativeData">
-                <pr:smNativeData xmlns:pr="smNativeData" xmlns="smNativeData" val="SMDATA_15_q5OGZBMAAAAlAAAAZAAAAA0AAAAAAAAAAAAAAAAAAAAAAAAAAAAAAAAAAAAAAAAAAAEAAABQAAAAAAAAAAAA4D8AAAAAAADgPwAAAAAAAOA/AAAAAAAA4D8AAAAAAADgPwAAAAAAAOA/AAAAAAAA4D8AAAAAAADgPwAAAAAAAOA/AAAAAAAA4D8CAAAAjAAAAAAAAAAAAAAARHLEDP///wgAAAAAAAAAAAAAAAAAAAAAAAAAAAAAAAAAAAAAZAAAAAEAAABAAAAAAAAAAAAAAAAAAAAAAAAAAAAAAAAAAAAAAAAAAAAAAAAAAAAAAAAAAAAAAAAAAAAAAAAAAAAAAAAAAAAAAAAAAAAAAAAAAAAAAAAAAAAAAAAAAAAAFAAAADwAAAAAAAAAAAAAAAAAAAkUAAAAAQAAABQAAAAUAAAAFAAAAAEAAAAAAAAAZAAAAGQAAAAAAAAAZAAAAGQAAAAVAAAAYAAAAAAAAAAAAAAADwAAACADAAAAAAAAAAAAAAEAAACgMgAAVgcAAKr4//8BAAAAf39/AAEAAABkAAAAAAAAABQAAABAHwAAAAAAACYAAAAAAAAAwOD//wAAAAAmAAAAZAAAABYAAABMAAAAAAAAAAAAAAAEAAAAAAAAAAEAAADn5uYKAAAAACgAAAAoAAAAZAAAAGQAAAAAAAAAzMzMAAAAAABQAAAAUAAAAGQAAABkAAAAAAAAABcAAAAUAAAAAAAAAAAAAAD/fwAA/38AAAAAAAAJAAAABAAAAJQC9HUeAAAAaAAAAAAAAAAAAAAAAAAAAAAAAAAAAAAAECcAABAnAAAAAAAAAAAAAAAAAAAAAAAAAAAAAAAAAAAAAAAAAAAAABQAAAAAAAAAwMD/AAAAAABkAAAAMgAAAAAAAABkAAAAAAAAAH9/fwAKAAAAIgAAABgAAAAAAAAAAAAAAAAAAAAAAAAAAAAAAAAAAAAkAAAAJAAAAAAAAAAHAAAAAAAAAAAAAAAAAAAAAAAAAAAAAAAAAAAAf39/ACUAAABYAAAAAAAAAAAAAAAAAAAAAAAAAAAAAAAAAAAAAAAAAAAAAAAAAAAAAAAAAAAAAAA/AAAAAAAAAKCGAQAAAAAAAAAAAAAAAAAMAAAAAQAAAAAAAAAAAAAAAAAAAB8AAABUAAAAAAAABQAAAAEAAAAAAAAAAAAAAAAAAAAAAAAAAAAAAAAAAAAAAAAAAAAAAAJ/f38AAAAAA8zMzADAwP8Af39/AAAAAAAAAAAAAAAAAAAAAAAAAAAAIQAAABgAAAAUAAAAwAMAAKcWAAA/RwAAUiIAABAAAAAmAAAACAAAAD0gAAAAAAAA"/>
+                <pr:smNativeData xmlns="smNativeData" xmlns:pr="smNativeData" xmlns:p15="http://schemas.microsoft.com/office/powerpoint/2012/main" xmlns:p14="http://schemas.microsoft.com/office/powerpoint/2010/main" xmlns:mc="http://schemas.openxmlformats.org/markup-compatibility/2006" val="SMDATA_15_q5OGZBMAAAAlAAAAZAAAAA0AAAAAAAAAAAAAAAAAAAAAAAAAAAAAAAAAAAAAAAAAAAEAAABQAAAAAAAAAAAA4D8AAAAAAADgPwAAAAAAAOA/AAAAAAAA4D8AAAAAAADgPwAAAAAAAOA/AAAAAAAA4D8AAAAAAADgPwAAAAAAAOA/AAAAAAAA4D8CAAAAjAAAAAAAAAAAAAAARHLEDP///wgAAAAAAAAAAAAAAAAAAAAAAAAAAAAAAAAAAAAAZAAAAAEAAABAAAAAAAAAAAAAAAAAAAAAAAAAAAAAAAAAAAAAAAAAAAAAAAAAAAAAAAAAAAAAAAAAAAAAAAAAAAAAAAAAAAAAAAAAAAAAAAAAAAAAAAAAAAAAAAAAAAAAFAAAADwAAAAAAAAAAAAAAAAAAAkUAAAAAQAAABQAAAAUAAAAFAAAAAEAAAAAAAAAZAAAAGQAAAAAAAAAZAAAAGQAAAAVAAAAYAAAAAAAAAAAAAAADwAAACADAAAAAAAAAAAAAAEAAACgMgAAVgcAAKr4//8BAAAAf39/AAEAAABkAAAAAAAAABQAAABAHwAAAAAAACYAAAAAAAAAwOD//wAAAAAmAAAAZAAAABYAAABMAAAAAAAAAAAAAAAEAAAAAAAAAAEAAADn5uYKAAAAACgAAAAoAAAAZAAAAGQAAAAAAAAAzMzMAAAAAABQAAAAUAAAAGQAAABkAAAAAAAAABcAAAAUAAAAAAAAAAAAAAD/fwAA/38AAAAAAAAJAAAABAAAAJQC9HUeAAAAaAAAAAAAAAAAAAAAAAAAAAAAAAAAAAAAECcAABAnAAAAAAAAAAAAAAAAAAAAAAAAAAAAAAAAAAAAAAAAAAAAABQAAAAAAAAAwMD/AAAAAABkAAAAMgAAAAAAAABkAAAAAAAAAH9/fwAKAAAAIgAAABgAAAAAAAAAAAAAAAAAAAAAAAAAAAAAAAAAAAAkAAAAJAAAAAAAAAAHAAAAAAAAAAAAAAAAAAAAAAAAAAAAAAAAAAAAf39/ACUAAABYAAAAAAAAAAAAAAAAAAAAAAAAAAAAAAAAAAAAAAAAAAAAAAAAAAAAAAAAAAAAAAA/AAAAAAAAAKCGAQAAAAAAAAAAAAAAAAAMAAAAAQAAAAAAAAAAAAAAAAAAAB8AAABUAAAAAAAABQAAAAEAAAAAAAAAAAAAAAAAAAAAAAAAAAAAAAAAAAAAAAAAAAAAAAJ/f38AAAAAA8zMzADAwP8Af39/AAAAAAAAAAAAAAAAAAAAAAAAAAAAIQAAABgAAAAUAAAAwAMAAKcWAAA/RwAAUiIAABAAAAAmAAAACAAAAD0gAAAAAAAA"/>
               </a:ext>
             </a:extLst>
           </p:cNvSpPr>
@@ -1945,7 +1953,7 @@
 </file>
 
 <file path=ppt/slideLayouts/slideLayout22.xml><?xml version="1.0" encoding="utf-8"?>
-<p:sldLayout xmlns:p="http://schemas.openxmlformats.org/presentationml/2006/main" xmlns:mc="http://schemas.openxmlformats.org/markup-compatibility/2006" xmlns:p14="http://schemas.microsoft.com/office/powerpoint/2010/main" xmlns:p15="http://schemas.microsoft.com/office/powerpoint/2012/main" xmlns:r="http://schemas.openxmlformats.org/officeDocument/2006/relationships" xmlns:a="http://schemas.openxmlformats.org/drawingml/2006/main" type="objOverTx" preserve="1">
+<p:sldLayout xmlns:a="http://schemas.openxmlformats.org/drawingml/2006/main" xmlns:r="http://schemas.openxmlformats.org/officeDocument/2006/relationships" xmlns:p="http://schemas.openxmlformats.org/presentationml/2006/main" type="objOverTx" preserve="1">
   <p:cSld name="Title, Content over Content">
     <p:spTree>
       <p:nvGrpSpPr>
@@ -1968,7 +1976,7 @@
             <a:spLocks noGrp="1" noChangeArrowheads="1"/>
             <a:extLst>
               <a:ext uri="smNativeData">
-                <pr:smNativeData xmlns:pr="smNativeData" xmlns="smNativeData" val="SMDATA_15_q5OGZBMAAAAlAAAAZAAAAA0AAAAAAAAAAAAAAAAAAAAAAAAAAAAAAAABAAAAAAAAAAEAAABQAAAAAAAAAAAA4D8AAAAAAADgPwAAAAAAAOA/AAAAAAAA4D8AAAAAAADgPwAAAAAAAOA/AAAAAAAA4D8AAAAAAADgPwAAAAAAAOA/AAAAAAAA4D8CAAAAjAAAAAAAAAAAAAAARHLEDP///wgAAAAAAAAAAAAAAAAAAAAAAAAAAAAAAAAAAAAAZAAAAAEAAABAAAAAAAAAAAAAAAAAAAAAAAAAAAAAAAAAAAAAAAAAAAAAAAAAAAAAAAAAAAAAAAAAAAAAAAAAAAAAAAAAAAAAAAAAAAAAAAAAAAAAAAAAAAAAAAAAAAAAFAAAADwAAAAAAAAAAAAAAAAAAAkUAAAAAQAAABQAAAAUAAAAFAAAAAEAAAAAAAAAZAAAAGQAAAAAAAAAZAAAAGQAAAAVAAAAYAAAAAAAAAAAAAAADwAAACADAAAAAAAAAAAAAAEAAACgMgAAVgcAAKr4//8BAAAAf39/AAEAAABkAAAAAAAAABQAAABAHwAAAAAAACYAAAAAAAAAwOD//wAAAAAmAAAAZAAAABYAAABMAAAAAAAAAAAAAAAEAAAAAAAAAAEAAADn5uYKAAAAACgAAAAoAAAAZAAAAGQAAAAAAAAAzMzMAAAAAABQAAAAUAAAAGQAAABkAAAAAAAAABcAAAAUAAAAAAAAAAAAAAD/fwAA/38AAAAAAAAJAAAABAAAAAAAAAAeAAAAaAAAAAAAAAAAAAAAAAAAAAAAAAAAAAAAECcAABAnAAAAAAAAAAAAAAAAAAAAAAAAAAAAAAAAAAAAAAAAAAAAABQAAAAAAAAAwMD/AAAAAABkAAAAMgAAAAAAAABkAAAAAAAAAH9/fwAKAAAAIgAAABgAAAAAAAAAAAAAAAAAAAAAAAAAAAAAAAAAAAAkAAAAJAAAAAAAAAAHAAAAAAAAAAAAAAAAAAAAAAAAAAAAAAAAAAAAf39/ACUAAABYAAAAAAAAAAAAAAAAAAAAAAAAAAAAAAAAAAAAAAAAAAAAAAAAAAAAAAAAAAAAAAA/AAAAAAAAAKCGAQAAAAAAAAAAAAAAAAAMAAAAAQAAAAAAAAAAAAAAAAAAAB8AAABUAAAAAAAABQAAAAEAAAAAAAAAAAAAAAAAAAAAAAAAAAAAAAAAAAAAAAAAAAAAAAJ/f38AAAAAA8zMzADAwP8Af39/AAAAAAAAAAAAAAAAAAAAAAAAAAAAIQAAABgAAAAUAAAAwAMAAK8BAAA/RwAAuggAABAAAAAmAAAACAAAAD0gAAAAAAAA"/>
+                <pr:smNativeData xmlns="smNativeData" xmlns:pr="smNativeData" xmlns:p15="http://schemas.microsoft.com/office/powerpoint/2012/main" xmlns:p14="http://schemas.microsoft.com/office/powerpoint/2010/main" xmlns:mc="http://schemas.openxmlformats.org/markup-compatibility/2006" val="SMDATA_15_q5OGZBMAAAAlAAAAZAAAAA0AAAAAAAAAAAAAAAAAAAAAAAAAAAAAAAABAAAAAAAAAAEAAABQAAAAAAAAAAAA4D8AAAAAAADgPwAAAAAAAOA/AAAAAAAA4D8AAAAAAADgPwAAAAAAAOA/AAAAAAAA4D8AAAAAAADgPwAAAAAAAOA/AAAAAAAA4D8CAAAAjAAAAAAAAAAAAAAARHLEDP///wgAAAAAAAAAAAAAAAAAAAAAAAAAAAAAAAAAAAAAZAAAAAEAAABAAAAAAAAAAAAAAAAAAAAAAAAAAAAAAAAAAAAAAAAAAAAAAAAAAAAAAAAAAAAAAAAAAAAAAAAAAAAAAAAAAAAAAAAAAAAAAAAAAAAAAAAAAAAAAAAAAAAAFAAAADwAAAAAAAAAAAAAAAAAAAkUAAAAAQAAABQAAAAUAAAAFAAAAAEAAAAAAAAAZAAAAGQAAAAAAAAAZAAAAGQAAAAVAAAAYAAAAAAAAAAAAAAADwAAACADAAAAAAAAAAAAAAEAAACgMgAAVgcAAKr4//8BAAAAf39/AAEAAABkAAAAAAAAABQAAABAHwAAAAAAACYAAAAAAAAAwOD//wAAAAAmAAAAZAAAABYAAABMAAAAAAAAAAAAAAAEAAAAAAAAAAEAAADn5uYKAAAAACgAAAAoAAAAZAAAAGQAAAAAAAAAzMzMAAAAAABQAAAAUAAAAGQAAABkAAAAAAAAABcAAAAUAAAAAAAAAAAAAAD/fwAA/38AAAAAAAAJAAAABAAAAAAAAAAeAAAAaAAAAAAAAAAAAAAAAAAAAAAAAAAAAAAAECcAABAnAAAAAAAAAAAAAAAAAAAAAAAAAAAAAAAAAAAAAAAAAAAAABQAAAAAAAAAwMD/AAAAAABkAAAAMgAAAAAAAABkAAAAAAAAAH9/fwAKAAAAIgAAABgAAAAAAAAAAAAAAAAAAAAAAAAAAAAAAAAAAAAkAAAAJAAAAAAAAAAHAAAAAAAAAAAAAAAAAAAAAAAAAAAAAAAAAAAAf39/ACUAAABYAAAAAAAAAAAAAAAAAAAAAAAAAAAAAAAAAAAAAAAAAAAAAAAAAAAAAAAAAAAAAAA/AAAAAAAAAKCGAQAAAAAAAAAAAAAAAAAMAAAAAQAAAAAAAAAAAAAAAAAAAB8AAABUAAAAAAAABQAAAAEAAAAAAAAAAAAAAAAAAAAAAAAAAAAAAAAAAAAAAAAAAAAAAAJ/f38AAAAAA8zMzADAwP8Af39/AAAAAAAAAAAAAAAAAAAAAAAAAAAAIQAAABgAAAAUAAAAwAMAAK8BAAA/RwAAuggAABAAAAAmAAAACAAAAD0gAAAAAAAA"/>
               </a:ext>
             </a:extLst>
           </p:cNvSpPr>
@@ -2004,7 +2012,7 @@
             <a:spLocks noGrp="1" noChangeArrowheads="1"/>
             <a:extLst>
               <a:ext uri="smNativeData">
-                <pr:smNativeData xmlns:pr="smNativeData" xmlns="smNativeData" val="SMDATA_15_q5OGZBMAAAAlAAAAZAAAAA0AAAAAAAAAAAAAAAAAAAAAAAAAAAAAAAAAAAAAAAAAAAEAAABQAAAAAAAAAAAA4D8AAAAAAADgPwAAAAAAAOA/AAAAAAAA4D8AAAAAAADgPwAAAAAAAOA/AAAAAAAA4D8AAAAAAADgPwAAAAAAAOA/AAAAAAAA4D8CAAAAjAAAAAAAAAAAAAAARHLEDP///wgAAAAAAAAAAAAAAAAAAAAAAAAAAAAAAAAAAAAAZAAAAAEAAABAAAAAAAAAAAAAAAAAAAAAAAAAAAAAAAAAAAAAAAAAAAAAAAAAAAAAAAAAAAAAAAAAAAAAAAAAAAAAAAAAAAAAAAAAAAAAAAAAAAAAAAAAAAAAAAAAAAAAFAAAADwAAAAAAAAAAAAAAAAAAAkUAAAAAQAAABQAAAAUAAAAFAAAAAEAAAAAAAAAZAAAAGQAAAAAAAAAZAAAAGQAAAAVAAAAYAAAAAAAAAAAAAAADwAAACADAAAAAAAAAAAAAAEAAACgMgAAVgcAAKr4//8BAAAAf39/AAEAAABkAAAAAAAAABQAAABAHwAAAAAAACYAAAAAAAAAwOD//wAAAAAmAAAAZAAAABYAAABMAAAAAAAAAAAAAAAEAAAAAAAAAAEAAADn5uYKAAAAACgAAAAoAAAAZAAAAGQAAAAAAAAAzMzMAAAAAABQAAAAUAAAAGQAAABkAAAAAAAAABcAAAAUAAAAAAAAAAAAAAD/fwAA/38AAAAAAAAJAAAABAAAAByhcwAeAAAAaAAAAAAAAAAAAAAAAAAAAAAAAAAAAAAAECcAABAnAAAAAAAAAAAAAAAAAAAAAAAAAAAAAAAAAAAAAAAAAAAAABQAAAAAAAAAwMD/AAAAAABkAAAAMgAAAAAAAABkAAAAAAAAAH9/fwAKAAAAIgAAABgAAAAAAAAAAAAAAAAAAAAAAAAAAAAAAAAAAAAkAAAAJAAAAAAAAAAHAAAAAAAAAAAAAAAAAAAAAAAAAAAAAAAAAAAAf39/ACUAAABYAAAAAAAAAAAAAAAAAAAAAAAAAAAAAAAAAAAAAAAAAAAAAAAAAAAAAAAAAAAAAAA/AAAAAAAAAKCGAQAAAAAAAAAAAAAAAAAMAAAAAQAAAAAAAAAAAAAAAAAAAB8AAABUAAAAAAAABQAAAAEAAAAAAAAAAAAAAAAAAAAAAAAAAAAAAAAAAAAAAAAAAAAAAAJ/f38AAAAAA8zMzADAwP8Af39/AAAAAAAAAAAAAAAAAAAAAAAAAAAAIQAAABgAAAAUAAAAwAMAAN8JAAA/RwAAihUAABAAAAAmAAAACAAAAD0gAAAAAAAA"/>
+                <pr:smNativeData xmlns="smNativeData" xmlns:pr="smNativeData" xmlns:p15="http://schemas.microsoft.com/office/powerpoint/2012/main" xmlns:p14="http://schemas.microsoft.com/office/powerpoint/2010/main" xmlns:mc="http://schemas.openxmlformats.org/markup-compatibility/2006" val="SMDATA_15_q5OGZBMAAAAlAAAAZAAAAA0AAAAAAAAAAAAAAAAAAAAAAAAAAAAAAAAAAAAAAAAAAAEAAABQAAAAAAAAAAAA4D8AAAAAAADgPwAAAAAAAOA/AAAAAAAA4D8AAAAAAADgPwAAAAAAAOA/AAAAAAAA4D8AAAAAAADgPwAAAAAAAOA/AAAAAAAA4D8CAAAAjAAAAAAAAAAAAAAARHLEDP///wgAAAAAAAAAAAAAAAAAAAAAAAAAAAAAAAAAAAAAZAAAAAEAAABAAAAAAAAAAAAAAAAAAAAAAAAAAAAAAAAAAAAAAAAAAAAAAAAAAAAAAAAAAAAAAAAAAAAAAAAAAAAAAAAAAAAAAAAAAAAAAAAAAAAAAAAAAAAAAAAAAAAAFAAAADwAAAAAAAAAAAAAAAAAAAkUAAAAAQAAABQAAAAUAAAAFAAAAAEAAAAAAAAAZAAAAGQAAAAAAAAAZAAAAGQAAAAVAAAAYAAAAAAAAAAAAAAADwAAACADAAAAAAAAAAAAAAEAAACgMgAAVgcAAKr4//8BAAAAf39/AAEAAABkAAAAAAAAABQAAABAHwAAAAAAACYAAAAAAAAAwOD//wAAAAAmAAAAZAAAABYAAABMAAAAAAAAAAAAAAAEAAAAAAAAAAEAAADn5uYKAAAAACgAAAAoAAAAZAAAAGQAAAAAAAAAzMzMAAAAAABQAAAAUAAAAGQAAABkAAAAAAAAABcAAAAUAAAAAAAAAAAAAAD/fwAA/38AAAAAAAAJAAAABAAAAByhcwAeAAAAaAAAAAAAAAAAAAAAAAAAAAAAAAAAAAAAECcAABAnAAAAAAAAAAAAAAAAAAAAAAAAAAAAAAAAAAAAAAAAAAAAABQAAAAAAAAAwMD/AAAAAABkAAAAMgAAAAAAAABkAAAAAAAAAH9/fwAKAAAAIgAAABgAAAAAAAAAAAAAAAAAAAAAAAAAAAAAAAAAAAAkAAAAJAAAAAAAAAAHAAAAAAAAAAAAAAAAAAAAAAAAAAAAAAAAAAAAf39/ACUAAABYAAAAAAAAAAAAAAAAAAAAAAAAAAAAAAAAAAAAAAAAAAAAAAAAAAAAAAAAAAAAAAA/AAAAAAAAAKCGAQAAAAAAAAAAAAAAAAAMAAAAAQAAAAAAAAAAAAAAAAAAAB8AAABUAAAAAAAABQAAAAEAAAAAAAAAAAAAAAAAAAAAAAAAAAAAAAAAAAAAAAAAAAAAAAJ/f38AAAAAA8zMzADAwP8Af39/AAAAAAAAAAAAAAAAAAAAAAAAAAAAIQAAABgAAAAUAAAAwAMAAN8JAAA/RwAAihUAABAAAAAmAAAACAAAAD0gAAAAAAAA"/>
               </a:ext>
             </a:extLst>
           </p:cNvSpPr>
@@ -2040,7 +2048,7 @@
             <a:spLocks noGrp="1" noChangeArrowheads="1"/>
             <a:extLst>
               <a:ext uri="smNativeData">
-                <pr:smNativeData xmlns:pr="smNativeData" xmlns="smNativeData" val="SMDATA_15_q5OGZBMAAAAlAAAAZAAAAA0AAAAAAAAAAAAAAAAAAAAAAAAAAAAAAAAAAAAAAAAAAAEAAABQAAAAAAAAAAAA4D8AAAAAAADgPwAAAAAAAOA/AAAAAAAA4D8AAAAAAADgPwAAAAAAAOA/AAAAAAAA4D8AAAAAAADgPwAAAAAAAOA/AAAAAAAA4D8CAAAAjAAAAAAAAAAAAAAARHLEDP///wgAAAAAAAAAAAAAAAAAAAAAAAAAAAAAAAAAAAAAZAAAAAEAAABAAAAAAAAAAAAAAAAAAAAAAAAAAAAAAAAAAAAAAAAAAAAAAAAAAAAAAAAAAAAAAAAAAAAAAAAAAAAAAAAAAAAAAAAAAAAAAAAAAAAAAAAAAAAAAAAAAAAAFAAAADwAAAAAAAAAAAAAAAAAAAkUAAAAAQAAABQAAAAUAAAAFAAAAAEAAAAAAAAAZAAAAGQAAAAAAAAAZAAAAGQAAAAVAAAAYAAAAAAAAAAAAAAADwAAACADAAAAAAAAAAAAAAEAAACgMgAAVgcAAKr4//8BAAAAf39/AAEAAABkAAAAAAAAABQAAABAHwAAAAAAACYAAAAAAAAAwOD//wAAAAAmAAAAZAAAABYAAABMAAAAAAAAAAAAAAAEAAAAAAAAAAEAAADn5uYKAAAAACgAAAAoAAAAZAAAAGQAAAAAAAAAzMzMAAAAAABQAAAAUAAAAGQAAABkAAAAAAAAABcAAAAUAAAAAAAAAAAAAAD/fwAA/38AAAAAAAAJAAAABAAAAAAAAAAeAAAAaAAAAAAAAAAAAAAAAAAAAAAAAAAAAAAAECcAABAnAAAAAAAAAAAAAAAAAAAAAAAAAAAAAAAAAAAAAAAAAAAAABQAAAAAAAAAwMD/AAAAAABkAAAAMgAAAAAAAABkAAAAAAAAAH9/fwAKAAAAIgAAABgAAAAAAAAAAAAAAAAAAAAAAAAAAAAAAAAAAAAkAAAAJAAAAAAAAAAHAAAAAAAAAAAAAAAAAAAAAAAAAAAAAAAAAAAAf39/ACUAAABYAAAAAAAAAAAAAAAAAAAAAAAAAAAAAAAAAAAAAAAAAAAAAAAAAAAAAAAAAAAAAAA/AAAAAAAAAKCGAQAAAAAAAAAAAAAAAAAMAAAAAQAAAAAAAAAAAAAAAAAAAB8AAABUAAAAAAAABQAAAAEAAAAAAAAAAAAAAAAAAAAAAAAAAAAAAAAAAAAAAAAAAAAAAAJ/f38AAAAAA8zMzADAwP8Af39/AAAAAAAAAAAAAAAAAAAAAAAAAAAAIQAAABgAAAAUAAAAwAMAAKcWAAA/RwAAUiIAABAAAAAmAAAACAAAAD0gAAAAAAAA"/>
+                <pr:smNativeData xmlns="smNativeData" xmlns:pr="smNativeData" xmlns:p15="http://schemas.microsoft.com/office/powerpoint/2012/main" xmlns:p14="http://schemas.microsoft.com/office/powerpoint/2010/main" xmlns:mc="http://schemas.openxmlformats.org/markup-compatibility/2006" val="SMDATA_15_q5OGZBMAAAAlAAAAZAAAAA0AAAAAAAAAAAAAAAAAAAAAAAAAAAAAAAAAAAAAAAAAAAEAAABQAAAAAAAAAAAA4D8AAAAAAADgPwAAAAAAAOA/AAAAAAAA4D8AAAAAAADgPwAAAAAAAOA/AAAAAAAA4D8AAAAAAADgPwAAAAAAAOA/AAAAAAAA4D8CAAAAjAAAAAAAAAAAAAAARHLEDP///wgAAAAAAAAAAAAAAAAAAAAAAAAAAAAAAAAAAAAAZAAAAAEAAABAAAAAAAAAAAAAAAAAAAAAAAAAAAAAAAAAAAAAAAAAAAAAAAAAAAAAAAAAAAAAAAAAAAAAAAAAAAAAAAAAAAAAAAAAAAAAAAAAAAAAAAAAAAAAAAAAAAAAFAAAADwAAAAAAAAAAAAAAAAAAAkUAAAAAQAAABQAAAAUAAAAFAAAAAEAAAAAAAAAZAAAAGQAAAAAAAAAZAAAAGQAAAAVAAAAYAAAAAAAAAAAAAAADwAAACADAAAAAAAAAAAAAAEAAACgMgAAVgcAAKr4//8BAAAAf39/AAEAAABkAAAAAAAAABQAAABAHwAAAAAAACYAAAAAAAAAwOD//wAAAAAmAAAAZAAAABYAAABMAAAAAAAAAAAAAAAEAAAAAAAAAAEAAADn5uYKAAAAACgAAAAoAAAAZAAAAGQAAAAAAAAAzMzMAAAAAABQAAAAUAAAAGQAAABkAAAAAAAAABcAAAAUAAAAAAAAAAAAAAD/fwAA/38AAAAAAAAJAAAABAAAAAAAAAAeAAAAaAAAAAAAAAAAAAAAAAAAAAAAAAAAAAAAECcAABAnAAAAAAAAAAAAAAAAAAAAAAAAAAAAAAAAAAAAAAAAAAAAABQAAAAAAAAAwMD/AAAAAABkAAAAMgAAAAAAAABkAAAAAAAAAH9/fwAKAAAAIgAAABgAAAAAAAAAAAAAAAAAAAAAAAAAAAAAAAAAAAAkAAAAJAAAAAAAAAAHAAAAAAAAAAAAAAAAAAAAAAAAAAAAAAAAAAAAf39/ACUAAABYAAAAAAAAAAAAAAAAAAAAAAAAAAAAAAAAAAAAAAAAAAAAAAAAAAAAAAAAAAAAAAA/AAAAAAAAAKCGAQAAAAAAAAAAAAAAAAAMAAAAAQAAAAAAAAAAAAAAAAAAAB8AAABUAAAAAAAABQAAAAEAAAAAAAAAAAAAAAAAAAAAAAAAAAAAAAAAAAAAAAAAAAAAAAJ/f38AAAAAA8zMzADAwP8Af39/AAAAAAAAAAAAAAAAAAAAAAAAAAAAIQAAABgAAAAUAAAAwAMAAKcWAAA/RwAAUiIAABAAAAAmAAAACAAAAD0gAAAAAAAA"/>
               </a:ext>
             </a:extLst>
           </p:cNvSpPr>
@@ -2078,7 +2086,7 @@
 </file>
 
 <file path=ppt/slideLayouts/slideLayout23.xml><?xml version="1.0" encoding="utf-8"?>
-<p:sldLayout xmlns:p="http://schemas.openxmlformats.org/presentationml/2006/main" xmlns:mc="http://schemas.openxmlformats.org/markup-compatibility/2006" xmlns:p14="http://schemas.microsoft.com/office/powerpoint/2010/main" xmlns:p15="http://schemas.microsoft.com/office/powerpoint/2012/main" xmlns:r="http://schemas.openxmlformats.org/officeDocument/2006/relationships" xmlns:a="http://schemas.openxmlformats.org/drawingml/2006/main" type="fourObj" preserve="1">
+<p:sldLayout xmlns:a="http://schemas.openxmlformats.org/drawingml/2006/main" xmlns:r="http://schemas.openxmlformats.org/officeDocument/2006/relationships" xmlns:p="http://schemas.openxmlformats.org/presentationml/2006/main" type="fourObj" preserve="1">
   <p:cSld name="Title, 4 Content">
     <p:spTree>
       <p:nvGrpSpPr>
@@ -2101,7 +2109,7 @@
             <a:spLocks noGrp="1" noChangeArrowheads="1"/>
             <a:extLst>
               <a:ext uri="smNativeData">
-                <pr:smNativeData xmlns:pr="smNativeData" xmlns="smNativeData" val="SMDATA_15_q5OGZBMAAAAlAAAAZAAAAA0AAAAAAAAAAAAAAAAAAAAAAAAAAAAAAAABAAAAAAAAAAEAAABQAAAAAAAAAAAA4D8AAAAAAADgPwAAAAAAAOA/AAAAAAAA4D8AAAAAAADgPwAAAAAAAOA/AAAAAAAA4D8AAAAAAADgPwAAAAAAAOA/AAAAAAAA4D8CAAAAjAAAAAAAAAAAAAAARHLEDP///wgAAAAAAAAAAAAAAAAAAAAAAAAAAAAAAAAAAAAAZAAAAAEAAABAAAAAAAAAAAAAAAAAAAAAAAAAAAAAAAAAAAAAAAAAAAAAAAAAAAAAAAAAAAAAAAAAAAAAAAAAAAAAAAAAAAAAAAAAAAAAAAAAAAAAAAAAAAAAAAAAAAAAFAAAADwAAAAAAAAAAAAAAAAAAAkUAAAAAQAAABQAAAAUAAAAFAAAAAEAAAAAAAAAZAAAAGQAAAAAAAAAZAAAAGQAAAAVAAAAYAAAAAAAAAAAAAAADwAAACADAAAAAAAAAAAAAAEAAACgMgAAVgcAAKr4//8BAAAAf39/AAEAAABkAAAAAAAAABQAAABAHwAAAAAAACYAAAAAAAAAwOD//wAAAAAmAAAAZAAAABYAAABMAAAAAAAAAAAAAAAEAAAAAAAAAAEAAADn5uYKAAAAACgAAAAoAAAAZAAAAGQAAAAAAAAAzMzMAAAAAABQAAAAUAAAAGQAAABkAAAAAAAAABcAAAAUAAAAAAAAAAAAAAD/fwAA/38AAAAAAAAJAAAABAAAAAjKcwAeAAAAaAAAAAAAAAAAAAAAAAAAAAAAAAAAAAAAECcAABAnAAAAAAAAAAAAAAAAAAAAAAAAAAAAAAAAAAAAAAAAAAAAABQAAAAAAAAAwMD/AAAAAABkAAAAMgAAAAAAAABkAAAAAAAAAH9/fwAKAAAAIgAAABgAAAAAAAAAAAAAAAAAAAAAAAAAAAAAAAAAAAAkAAAAJAAAAAAAAAAHAAAAAAAAAAAAAAAAAAAAAAAAAAAAAAAAAAAAf39/ACUAAABYAAAAAAAAAAAAAAAAAAAAAAAAAAAAAAAAAAAAAAAAAAAAAAAAAAAAAAAAAAAAAAA/AAAAAAAAAKCGAQAAAAAAAAAAAAAAAAAMAAAAAQAAAAAAAAAAAAAAAAAAAB8AAABUAAAAAAAABQAAAAEAAAAAAAAAAAAAAAAAAAAAAAAAAAAAAAAAAAAAAAAAAAAAAAJ/f38AAAAAA8zMzADAwP8Af39/AAAAAAAAAAAAAAAAAAAAAAAAAAAAIQAAABgAAAAUAAAAwAMAAK8BAAA/RwAAuggAABAAAAAmAAAACAAAAD0gAAAAAAAA"/>
+                <pr:smNativeData xmlns="smNativeData" xmlns:pr="smNativeData" xmlns:p15="http://schemas.microsoft.com/office/powerpoint/2012/main" xmlns:p14="http://schemas.microsoft.com/office/powerpoint/2010/main" xmlns:mc="http://schemas.openxmlformats.org/markup-compatibility/2006" val="SMDATA_15_q5OGZBMAAAAlAAAAZAAAAA0AAAAAAAAAAAAAAAAAAAAAAAAAAAAAAAABAAAAAAAAAAEAAABQAAAAAAAAAAAA4D8AAAAAAADgPwAAAAAAAOA/AAAAAAAA4D8AAAAAAADgPwAAAAAAAOA/AAAAAAAA4D8AAAAAAADgPwAAAAAAAOA/AAAAAAAA4D8CAAAAjAAAAAAAAAAAAAAARHLEDP///wgAAAAAAAAAAAAAAAAAAAAAAAAAAAAAAAAAAAAAZAAAAAEAAABAAAAAAAAAAAAAAAAAAAAAAAAAAAAAAAAAAAAAAAAAAAAAAAAAAAAAAAAAAAAAAAAAAAAAAAAAAAAAAAAAAAAAAAAAAAAAAAAAAAAAAAAAAAAAAAAAAAAAFAAAADwAAAAAAAAAAAAAAAAAAAkUAAAAAQAAABQAAAAUAAAAFAAAAAEAAAAAAAAAZAAAAGQAAAAAAAAAZAAAAGQAAAAVAAAAYAAAAAAAAAAAAAAADwAAACADAAAAAAAAAAAAAAEAAACgMgAAVgcAAKr4//8BAAAAf39/AAEAAABkAAAAAAAAABQAAABAHwAAAAAAACYAAAAAAAAAwOD//wAAAAAmAAAAZAAAABYAAABMAAAAAAAAAAAAAAAEAAAAAAAAAAEAAADn5uYKAAAAACgAAAAoAAAAZAAAAGQAAAAAAAAAzMzMAAAAAABQAAAAUAAAAGQAAABkAAAAAAAAABcAAAAUAAAAAAAAAAAAAAD/fwAA/38AAAAAAAAJAAAABAAAAAjKcwAeAAAAaAAAAAAAAAAAAAAAAAAAAAAAAAAAAAAAECcAABAnAAAAAAAAAAAAAAAAAAAAAAAAAAAAAAAAAAAAAAAAAAAAABQAAAAAAAAAwMD/AAAAAABkAAAAMgAAAAAAAABkAAAAAAAAAH9/fwAKAAAAIgAAABgAAAAAAAAAAAAAAAAAAAAAAAAAAAAAAAAAAAAkAAAAJAAAAAAAAAAHAAAAAAAAAAAAAAAAAAAAAAAAAAAAAAAAAAAAf39/ACUAAABYAAAAAAAAAAAAAAAAAAAAAAAAAAAAAAAAAAAAAAAAAAAAAAAAAAAAAAAAAAAAAAA/AAAAAAAAAKCGAQAAAAAAAAAAAAAAAAAMAAAAAQAAAAAAAAAAAAAAAAAAAB8AAABUAAAAAAAABQAAAAEAAAAAAAAAAAAAAAAAAAAAAAAAAAAAAAAAAAAAAAAAAAAAAAJ/f38AAAAAA8zMzADAwP8Af39/AAAAAAAAAAAAAAAAAAAAAAAAAAAAIQAAABgAAAAUAAAAwAMAAK8BAAA/RwAAuggAABAAAAAmAAAACAAAAD0gAAAAAAAA"/>
               </a:ext>
             </a:extLst>
           </p:cNvSpPr>
@@ -2137,7 +2145,7 @@
             <a:spLocks noGrp="1" noChangeArrowheads="1"/>
             <a:extLst>
               <a:ext uri="smNativeData">
-                <pr:smNativeData xmlns:pr="smNativeData" xmlns="smNativeData" val="SMDATA_15_q5OGZBMAAAAlAAAAZAAAAA0AAAAAAAAAAAAAAAAAAAAAAAAAAAAAAAAAAAAAAAAAAAEAAABQAAAAAAAAAAAA4D8AAAAAAADgPwAAAAAAAOA/AAAAAAAA4D8AAAAAAADgPwAAAAAAAOA/AAAAAAAA4D8AAAAAAADgPwAAAAAAAOA/AAAAAAAA4D8CAAAAjAAAAAAAAAAAAAAARHLEDP///wgAAAAAAAAAAAAAAAAAAAAAAAAAAAAAAAAAAAAAZAAAAAEAAABAAAAAAAAAAAAAAAAAAAAAAAAAAAAAAAAAAAAAAAAAAAAAAAAAAAAAAAAAAAAAAAAAAAAAAAAAAAAAAAAAAAAAAAAAAAAAAAAAAAAAAAAAAAAAAAAAAAAAFAAAADwAAAAAAAAAAAAAAAAAAAkUAAAAAQAAABQAAAAUAAAAFAAAAAEAAAAAAAAAZAAAAGQAAAAAAAAAZAAAAGQAAAAVAAAAYAAAAAAAAAAAAAAADwAAACADAAAAAAAAAAAAAAEAAACgMgAAVgcAAKr4//8BAAAAf39/AAEAAABkAAAAAAAAABQAAABAHwAAAAAAACYAAAAAAAAAwOD//wAAAAAmAAAAZAAAABYAAABMAAAAAAAAAAAAAAAEAAAAAAAAAAEAAADn5uYKAAAAACgAAAAoAAAAZAAAAGQAAAAAAAAAzMzMAAAAAABQAAAAUAAAAGQAAABkAAAAAAAAABcAAAAUAAAAAAAAAAAAAAD/fwAA/38AAAAAAAAJAAAABAAAAJjl0wQeAAAAaAAAAAAAAAAAAAAAAAAAAAAAAAAAAAAAECcAABAnAAAAAAAAAAAAAAAAAAAAAAAAAAAAAAAAAAAAAAAAAAAAABQAAAAAAAAAwMD/AAAAAABkAAAAMgAAAAAAAABkAAAAAAAAAH9/fwAKAAAAIgAAABgAAAAAAAAAAAAAAAAAAAAAAAAAAAAAAAAAAAAkAAAAJAAAAAAAAAAHAAAAAAAAAAAAAAAAAAAAAAAAAAAAAAAAAAAAf39/ACUAAABYAAAAAAAAAAAAAAAAAAAAAAAAAAAAAAAAAAAAAAAAAAAAAAAAAAAAAAAAAAAAAAA/AAAAAAAAAKCGAQAAAAAAAAAAAAAAAAAMAAAAAQAAAAAAAAAAAAAAAAAAAB8AAABUAAAAAAAABQAAAAEAAAAAAAAAAAAAAAAAAAAAAAAAAAAAAAAAAAAAAAAAAAAAAAJ/f38AAAAAA8zMzADAwP8Af39/AAAAAAAAAAAAAAAAAAAAAAAAAAAAIQAAABgAAAAUAAAAwAMAAN8JAACwJAAAihUAABAAAAAmAAAACAAAAD0gAAAAAAAA"/>
+                <pr:smNativeData xmlns="smNativeData" xmlns:pr="smNativeData" xmlns:p15="http://schemas.microsoft.com/office/powerpoint/2012/main" xmlns:p14="http://schemas.microsoft.com/office/powerpoint/2010/main" xmlns:mc="http://schemas.openxmlformats.org/markup-compatibility/2006" val="SMDATA_15_q5OGZBMAAAAlAAAAZAAAAA0AAAAAAAAAAAAAAAAAAAAAAAAAAAAAAAAAAAAAAAAAAAEAAABQAAAAAAAAAAAA4D8AAAAAAADgPwAAAAAAAOA/AAAAAAAA4D8AAAAAAADgPwAAAAAAAOA/AAAAAAAA4D8AAAAAAADgPwAAAAAAAOA/AAAAAAAA4D8CAAAAjAAAAAAAAAAAAAAARHLEDP///wgAAAAAAAAAAAAAAAAAAAAAAAAAAAAAAAAAAAAAZAAAAAEAAABAAAAAAAAAAAAAAAAAAAAAAAAAAAAAAAAAAAAAAAAAAAAAAAAAAAAAAAAAAAAAAAAAAAAAAAAAAAAAAAAAAAAAAAAAAAAAAAAAAAAAAAAAAAAAAAAAAAAAFAAAADwAAAAAAAAAAAAAAAAAAAkUAAAAAQAAABQAAAAUAAAAFAAAAAEAAAAAAAAAZAAAAGQAAAAAAAAAZAAAAGQAAAAVAAAAYAAAAAAAAAAAAAAADwAAACADAAAAAAAAAAAAAAEAAACgMgAAVgcAAKr4//8BAAAAf39/AAEAAABkAAAAAAAAABQAAABAHwAAAAAAACYAAAAAAAAAwOD//wAAAAAmAAAAZAAAABYAAABMAAAAAAAAAAAAAAAEAAAAAAAAAAEAAADn5uYKAAAAACgAAAAoAAAAZAAAAGQAAAAAAAAAzMzMAAAAAABQAAAAUAAAAGQAAABkAAAAAAAAABcAAAAUAAAAAAAAAAAAAAD/fwAA/38AAAAAAAAJAAAABAAAAJjl0wQeAAAAaAAAAAAAAAAAAAAAAAAAAAAAAAAAAAAAECcAABAnAAAAAAAAAAAAAAAAAAAAAAAAAAAAAAAAAAAAAAAAAAAAABQAAAAAAAAAwMD/AAAAAABkAAAAMgAAAAAAAABkAAAAAAAAAH9/fwAKAAAAIgAAABgAAAAAAAAAAAAAAAAAAAAAAAAAAAAAAAAAAAAkAAAAJAAAAAAAAAAHAAAAAAAAAAAAAAAAAAAAAAAAAAAAAAAAAAAAf39/ACUAAABYAAAAAAAAAAAAAAAAAAAAAAAAAAAAAAAAAAAAAAAAAAAAAAAAAAAAAAAAAAAAAAA/AAAAAAAAAKCGAQAAAAAAAAAAAAAAAAAMAAAAAQAAAAAAAAAAAAAAAAAAAB8AAABUAAAAAAAABQAAAAEAAAAAAAAAAAAAAAAAAAAAAAAAAAAAAAAAAAAAAAAAAAAAAAJ/f38AAAAAA8zMzADAwP8Af39/AAAAAAAAAAAAAAAAAAAAAAAAAAAAIQAAABgAAAAUAAAAwAMAAN8JAACwJAAAihUAABAAAAAmAAAACAAAAD0gAAAAAAAA"/>
               </a:ext>
             </a:extLst>
           </p:cNvSpPr>
@@ -2173,7 +2181,7 @@
             <a:spLocks noGrp="1" noChangeArrowheads="1"/>
             <a:extLst>
               <a:ext uri="smNativeData">
-                <pr:smNativeData xmlns:pr="smNativeData" xmlns="smNativeData" val="SMDATA_15_q5OGZBMAAAAlAAAAZAAAAA0AAAAAAAAAAAAAAAAAAAAAAAAAAAAAAAAAAAAAAAAAAAEAAABQAAAAAAAAAAAA4D8AAAAAAADgPwAAAAAAAOA/AAAAAAAA4D8AAAAAAADgPwAAAAAAAOA/AAAAAAAA4D8AAAAAAADgPwAAAAAAAOA/AAAAAAAA4D8CAAAAjAAAAAAAAAAAAAAARHLEDP///wgAAAAAAAAAAAAAAAAAAAAAAAAAAAAAAAAAAAAAZAAAAAEAAABAAAAAAAAAAAAAAAAAAAAAAAAAAAAAAAAAAAAAAAAAAAAAAAAAAAAAAAAAAAAAAAAAAAAAAAAAAAAAAAAAAAAAAAAAAAAAAAAAAAAAAAAAAAAAAAAAAAAAFAAAADwAAAAAAAAAAAAAAAAAAAkUAAAAAQAAABQAAAAUAAAAFAAAAAEAAAAAAAAAZAAAAGQAAAAAAAAAZAAAAGQAAAAVAAAAYAAAAAAAAAAAAAAADwAAACADAAAAAAAAAAAAAAEAAACgMgAAVgcAAKr4//8BAAAAf39/AAEAAABkAAAAAAAAABQAAABAHwAAAAAAACYAAAAAAAAAwOD//wAAAAAmAAAAZAAAABYAAABMAAAAAAAAAAAAAAAEAAAAAAAAAAEAAADn5uYKAAAAACgAAAAoAAAAZAAAAGQAAAAAAAAAzMzMAAAAAABQAAAAUAAAAGQAAABkAAAAAAAAABcAAAAUAAAAAAAAAAAAAAD/fwAA/38AAAAAAAAJAAAABAAAAAAAAAAeAAAAaAAAAAAAAAAAAAAAAAAAAAAAAAAAAAAAECcAABAnAAAAAAAAAAAAAAAAAAAAAAAAAAAAAAAAAAAAAAAAAAAAABQAAAAAAAAAwMD/AAAAAABkAAAAMgAAAAAAAABkAAAAAAAAAH9/fwAKAAAAIgAAABgAAAAAAAAAAAAAAAAAAAAAAAAAAAAAAAAAAAAkAAAAJAAAAAAAAAAHAAAAAAAAAAAAAAAAAAAAAAAAAAAAAAAAAAAAf39/ACUAAABYAAAAAAAAAAAAAAAAAAAAAAAAAAAAAAAAAAAAAAAAAAAAAAAAAAAAAAAAAAAAAAA/AAAAAAAAAKCGAQAAAAAAAAAAAAAAAAAMAAAAAQAAAAAAAAAAAAAAAAAAAB8AAABUAAAAAAAABQAAAAEAAAAAAAAAAAAAAAAAAAAAAAAAAAAAAAAAAAAAAAAAAAAAAAJ/f38AAAAAA8zMzADAwP8Af39/AAAAAAAAAAAAAAAAAAAAAAAAAAAAIQAAABgAAAAUAAAAViYAAN8JAABGRwAAihUAABAAAAAmAAAACAAAAD0gAAAAAAAA"/>
+                <pr:smNativeData xmlns="smNativeData" xmlns:pr="smNativeData" xmlns:p15="http://schemas.microsoft.com/office/powerpoint/2012/main" xmlns:p14="http://schemas.microsoft.com/office/powerpoint/2010/main" xmlns:mc="http://schemas.openxmlformats.org/markup-compatibility/2006" val="SMDATA_15_q5OGZBMAAAAlAAAAZAAAAA0AAAAAAAAAAAAAAAAAAAAAAAAAAAAAAAAAAAAAAAAAAAEAAABQAAAAAAAAAAAA4D8AAAAAAADgPwAAAAAAAOA/AAAAAAAA4D8AAAAAAADgPwAAAAAAAOA/AAAAAAAA4D8AAAAAAADgPwAAAAAAAOA/AAAAAAAA4D8CAAAAjAAAAAAAAAAAAAAARHLEDP///wgAAAAAAAAAAAAAAAAAAAAAAAAAAAAAAAAAAAAAZAAAAAEAAABAAAAAAAAAAAAAAAAAAAAAAAAAAAAAAAAAAAAAAAAAAAAAAAAAAAAAAAAAAAAAAAAAAAAAAAAAAAAAAAAAAAAAAAAAAAAAAAAAAAAAAAAAAAAAAAAAAAAAFAAAADwAAAAAAAAAAAAAAAAAAAkUAAAAAQAAABQAAAAUAAAAFAAAAAEAAAAAAAAAZAAAAGQAAAAAAAAAZAAAAGQAAAAVAAAAYAAAAAAAAAAAAAAADwAAACADAAAAAAAAAAAAAAEAAACgMgAAVgcAAKr4//8BAAAAf39/AAEAAABkAAAAAAAAABQAAABAHwAAAAAAACYAAAAAAAAAwOD//wAAAAAmAAAAZAAAABYAAABMAAAAAAAAAAAAAAAEAAAAAAAAAAEAAADn5uYKAAAAACgAAAAoAAAAZAAAAGQAAAAAAAAAzMzMAAAAAABQAAAAUAAAAGQAAABkAAAAAAAAABcAAAAUAAAAAAAAAAAAAAD/fwAA/38AAAAAAAAJAAAABAAAAAAAAAAeAAAAaAAAAAAAAAAAAAAAAAAAAAAAAAAAAAAAECcAABAnAAAAAAAAAAAAAAAAAAAAAAAAAAAAAAAAAAAAAAAAAAAAABQAAAAAAAAAwMD/AAAAAABkAAAAMgAAAAAAAABkAAAAAAAAAH9/fwAKAAAAIgAAABgAAAAAAAAAAAAAAAAAAAAAAAAAAAAAAAAAAAAkAAAAJAAAAAAAAAAHAAAAAAAAAAAAAAAAAAAAAAAAAAAAAAAAAAAAf39/ACUAAABYAAAAAAAAAAAAAAAAAAAAAAAAAAAAAAAAAAAAAAAAAAAAAAAAAAAAAAAAAAAAAAA/AAAAAAAAAKCGAQAAAAAAAAAAAAAAAAAMAAAAAQAAAAAAAAAAAAAAAAAAAB8AAABUAAAAAAAABQAAAAEAAAAAAAAAAAAAAAAAAAAAAAAAAAAAAAAAAAAAAAAAAAAAAAJ/f38AAAAAA8zMzADAwP8Af39/AAAAAAAAAAAAAAAAAAAAAAAAAAAAIQAAABgAAAAUAAAAViYAAN8JAABGRwAAihUAABAAAAAmAAAACAAAAD0gAAAAAAAA"/>
               </a:ext>
             </a:extLst>
           </p:cNvSpPr>
@@ -2209,7 +2217,7 @@
             <a:spLocks noGrp="1" noChangeArrowheads="1"/>
             <a:extLst>
               <a:ext uri="smNativeData">
-                <pr:smNativeData xmlns:pr="smNativeData" xmlns="smNativeData" val="SMDATA_15_q5OGZBMAAAAlAAAAZAAAAA0AAAAAAAAAAAAAAAAAAAAAAAAAAAAAAAAAAAAAAAAAAAEAAABQAAAAAAAAAAAA4D8AAAAAAADgPwAAAAAAAOA/AAAAAAAA4D8AAAAAAADgPwAAAAAAAOA/AAAAAAAA4D8AAAAAAADgPwAAAAAAAOA/AAAAAAAA4D8CAAAAjAAAAAAAAAAAAAAARHLEDP///wgAAAAAAAAAAAAAAAAAAAAAAAAAAAAAAAAAAAAAZAAAAAEAAABAAAAAAAAAAAAAAAAAAAAAAAAAAAAAAAAAAAAAAAAAAAAAAAAAAAAAAAAAAAAAAAAAAAAAAAAAAAAAAAAAAAAAAAAAAAAAAAAAAAAAAAAAAAAAAAAAAAAAFAAAADwAAAAAAAAAAAAAAAAAAAkUAAAAAQAAABQAAAAUAAAAFAAAAAEAAAAAAAAAZAAAAGQAAAAAAAAAZAAAAGQAAAAVAAAAYAAAAAAAAAAAAAAADwAAACADAAAAAAAAAAAAAAEAAACgMgAAVgcAAKr4//8BAAAAf39/AAEAAABkAAAAAAAAABQAAABAHwAAAAAAACYAAAAAAAAAwOD//wAAAAAmAAAAZAAAABYAAABMAAAAAAAAAAAAAAAEAAAAAAAAAAEAAADn5uYKAAAAACgAAAAoAAAAZAAAAGQAAAAAAAAAzMzMAAAAAABQAAAAUAAAAGQAAABkAAAAAAAAABcAAAAUAAAAAAAAAAAAAAD/fwAA/38AAAAAAAAJAAAABAAAAAAAAAAeAAAAaAAAAAAAAAAAAAAAAAAAAAAAAAAAAAAAECcAABAnAAAAAAAAAAAAAAAAAAAAAAAAAAAAAAAAAAAAAAAAAAAAABQAAAAAAAAAwMD/AAAAAABkAAAAMgAAAAAAAABkAAAAAAAAAH9/fwAKAAAAIgAAABgAAAAAAAAAAAAAAAAAAAAAAAAAAAAAAAAAAAAkAAAAJAAAAAAAAAAHAAAAAAAAAAAAAAAAAAAAAAAAAAAAAAAAAAAAf39/ACUAAABYAAAAAAAAAAAAAAAAAAAAAAAAAAAAAAAAAAAAAAAAAAAAAAAAAAAAAAAAAAAAAAA/AAAAAAAAAKCGAQAAAAAAAAAAAAAAAAAMAAAAAQAAAAAAAAAAAAAAAAAAAB8AAABUAAAAAAAABQAAAAEAAAAAAAAAAAAAAAAAAAAAAAAAAAAAAAAAAAAAAAAAAAAAAAJ/f38AAAAAA8zMzADAwP8Af39/AAAAAAAAAAAAAAAAAAAAAAAAAAAAIQAAABgAAAAUAAAAwAMAAKcWAACwJAAAUiIAABAAAAAmAAAACAAAAD0gAAAAAAAA"/>
+                <pr:smNativeData xmlns="smNativeData" xmlns:pr="smNativeData" xmlns:p15="http://schemas.microsoft.com/office/powerpoint/2012/main" xmlns:p14="http://schemas.microsoft.com/office/powerpoint/2010/main" xmlns:mc="http://schemas.openxmlformats.org/markup-compatibility/2006" val="SMDATA_15_q5OGZBMAAAAlAAAAZAAAAA0AAAAAAAAAAAAAAAAAAAAAAAAAAAAAAAAAAAAAAAAAAAEAAABQAAAAAAAAAAAA4D8AAAAAAADgPwAAAAAAAOA/AAAAAAAA4D8AAAAAAADgPwAAAAAAAOA/AAAAAAAA4D8AAAAAAADgPwAAAAAAAOA/AAAAAAAA4D8CAAAAjAAAAAAAAAAAAAAARHLEDP///wgAAAAAAAAAAAAAAAAAAAAAAAAAAAAAAAAAAAAAZAAAAAEAAABAAAAAAAAAAAAAAAAAAAAAAAAAAAAAAAAAAAAAAAAAAAAAAAAAAAAAAAAAAAAAAAAAAAAAAAAAAAAAAAAAAAAAAAAAAAAAAAAAAAAAAAAAAAAAAAAAAAAAFAAAADwAAAAAAAAAAAAAAAAAAAkUAAAAAQAAABQAAAAUAAAAFAAAAAEAAAAAAAAAZAAAAGQAAAAAAAAAZAAAAGQAAAAVAAAAYAAAAAAAAAAAAAAADwAAACADAAAAAAAAAAAAAAEAAACgMgAAVgcAAKr4//8BAAAAf39/AAEAAABkAAAAAAAAABQAAABAHwAAAAAAACYAAAAAAAAAwOD//wAAAAAmAAAAZAAAABYAAABMAAAAAAAAAAAAAAAEAAAAAAAAAAEAAADn5uYKAAAAACgAAAAoAAAAZAAAAGQAAAAAAAAAzMzMAAAAAABQAAAAUAAAAGQAAABkAAAAAAAAABcAAAAUAAAAAAAAAAAAAAD/fwAA/38AAAAAAAAJAAAABAAAAAAAAAAeAAAAaAAAAAAAAAAAAAAAAAAAAAAAAAAAAAAAECcAABAnAAAAAAAAAAAAAAAAAAAAAAAAAAAAAAAAAAAAAAAAAAAAABQAAAAAAAAAwMD/AAAAAABkAAAAMgAAAAAAAABkAAAAAAAAAH9/fwAKAAAAIgAAABgAAAAAAAAAAAAAAAAAAAAAAAAAAAAAAAAAAAAkAAAAJAAAAAAAAAAHAAAAAAAAAAAAAAAAAAAAAAAAAAAAAAAAAAAAf39/ACUAAABYAAAAAAAAAAAAAAAAAAAAAAAAAAAAAAAAAAAAAAAAAAAAAAAAAAAAAAAAAAAAAAA/AAAAAAAAAKCGAQAAAAAAAAAAAAAAAAAMAAAAAQAAAAAAAAAAAAAAAAAAAB8AAABUAAAAAAAABQAAAAEAAAAAAAAAAAAAAAAAAAAAAAAAAAAAAAAAAAAAAAAAAAAAAAJ/f38AAAAAA8zMzADAwP8Af39/AAAAAAAAAAAAAAAAAAAAAAAAAAAAIQAAABgAAAAUAAAAwAMAAKcWAACwJAAAUiIAABAAAAAmAAAACAAAAD0gAAAAAAAA"/>
               </a:ext>
             </a:extLst>
           </p:cNvSpPr>
@@ -2245,7 +2253,7 @@
             <a:spLocks noGrp="1" noChangeArrowheads="1"/>
             <a:extLst>
               <a:ext uri="smNativeData">
-                <pr:smNativeData xmlns:pr="smNativeData" xmlns="smNativeData" val="SMDATA_15_q5OGZBMAAAAlAAAAZAAAAA0AAAAAAAAAAAAAAAAAAAAAAAAAAAAAAAAAAAAAAAAAAAEAAABQAAAAAAAAAAAA4D8AAAAAAADgPwAAAAAAAOA/AAAAAAAA4D8AAAAAAADgPwAAAAAAAOA/AAAAAAAA4D8AAAAAAADgPwAAAAAAAOA/AAAAAAAA4D8CAAAAjAAAAAAAAAAAAAAARHLEDP///wgAAAAAAAAAAAAAAAAAAAAAAAAAAAAAAAAAAAAAZAAAAAEAAABAAAAAAAAAAAAAAAAAAAAAAAAAAAAAAAAAAAAAAAAAAAAAAAAAAAAAAAAAAAAAAAAAAAAAAAAAAAAAAAAAAAAAAAAAAAAAAAAAAAAAAAAAAAAAAAAAAAAAFAAAADwAAAAAAAAAAAAAAAAAAAkUAAAAAQAAABQAAAAUAAAAFAAAAAEAAAAAAAAAZAAAAGQAAAAAAAAAZAAAAGQAAAAVAAAAYAAAAAAAAAAAAAAADwAAACADAAAAAAAAAAAAAAEAAACgMgAAVgcAAKr4//8BAAAAf39/AAEAAABkAAAAAAAAABQAAABAHwAAAAAAACYAAAAAAAAAwOD//wAAAAAmAAAAZAAAABYAAABMAAAAAAAAAAAAAAAEAAAAAAAAAAEAAADn5uYKAAAAACgAAAAoAAAAZAAAAGQAAAAAAAAAzMzMAAAAAABQAAAAUAAAAGQAAABkAAAAAAAAABcAAAAUAAAAAAAAAAAAAAD/fwAA/38AAAAAAAAJAAAABAAAAAAAAAAeAAAAaAAAAAAAAAAAAAAAAAAAAAAAAAAAAAAAECcAABAnAAAAAAAAAAAAAAAAAAAAAAAAAAAAAAAAAAAAAAAAAAAAABQAAAAAAAAAwMD/AAAAAABkAAAAMgAAAAAAAABkAAAAAAAAAH9/fwAKAAAAIgAAABgAAAAAAAAAAAAAAAAAAAAAAAAAAAAAAAAAAAAkAAAAJAAAAAAAAAAHAAAAAAAAAAAAAAAAAAAAAAAAAAAAAAAAAAAAf39/ACUAAABYAAAAAAAAAAAAAAAAAAAAAAAAAAAAAAAAAAAAAAAAAAAAAAAAAAAAAAAAAAAAAAA/AAAAAAAAAKCGAQAAAAAAAAAAAAAAAAAMAAAAAQAAAAAAAAAAAAAAAAAAAB8AAABUAAAAAAAABQAAAAEAAAAAAAAAAAAAAAAAAAAAAAAAAAAAAAAAAAAAAAAAAAAAAAJ/f38AAAAAA8zMzADAwP8Af39/AAAAAAAAAAAAAAAAAAAAAAAAAAAAIQAAABgAAAAUAAAAViYAAKcWAABGRwAAUiIAABAAAAAmAAAACAAAAD0gAAAAAAAA"/>
+                <pr:smNativeData xmlns="smNativeData" xmlns:pr="smNativeData" xmlns:p15="http://schemas.microsoft.com/office/powerpoint/2012/main" xmlns:p14="http://schemas.microsoft.com/office/powerpoint/2010/main" xmlns:mc="http://schemas.openxmlformats.org/markup-compatibility/2006" val="SMDATA_15_q5OGZBMAAAAlAAAAZAAAAA0AAAAAAAAAAAAAAAAAAAAAAAAAAAAAAAAAAAAAAAAAAAEAAABQAAAAAAAAAAAA4D8AAAAAAADgPwAAAAAAAOA/AAAAAAAA4D8AAAAAAADgPwAAAAAAAOA/AAAAAAAA4D8AAAAAAADgPwAAAAAAAOA/AAAAAAAA4D8CAAAAjAAAAAAAAAAAAAAARHLEDP///wgAAAAAAAAAAAAAAAAAAAAAAAAAAAAAAAAAAAAAZAAAAAEAAABAAAAAAAAAAAAAAAAAAAAAAAAAAAAAAAAAAAAAAAAAAAAAAAAAAAAAAAAAAAAAAAAAAAAAAAAAAAAAAAAAAAAAAAAAAAAAAAAAAAAAAAAAAAAAAAAAAAAAFAAAADwAAAAAAAAAAAAAAAAAAAkUAAAAAQAAABQAAAAUAAAAFAAAAAEAAAAAAAAAZAAAAGQAAAAAAAAAZAAAAGQAAAAVAAAAYAAAAAAAAAAAAAAADwAAACADAAAAAAAAAAAAAAEAAACgMgAAVgcAAKr4//8BAAAAf39/AAEAAABkAAAAAAAAABQAAABAHwAAAAAAACYAAAAAAAAAwOD//wAAAAAmAAAAZAAAABYAAABMAAAAAAAAAAAAAAAEAAAAAAAAAAEAAADn5uYKAAAAACgAAAAoAAAAZAAAAGQAAAAAAAAAzMzMAAAAAABQAAAAUAAAAGQAAABkAAAAAAAAABcAAAAUAAAAAAAAAAAAAAD/fwAA/38AAAAAAAAJAAAABAAAAAAAAAAeAAAAaAAAAAAAAAAAAAAAAAAAAAAAAAAAAAAAECcAABAnAAAAAAAAAAAAAAAAAAAAAAAAAAAAAAAAAAAAAAAAAAAAABQAAAAAAAAAwMD/AAAAAABkAAAAMgAAAAAAAABkAAAAAAAAAH9/fwAKAAAAIgAAABgAAAAAAAAAAAAAAAAAAAAAAAAAAAAAAAAAAAAkAAAAJAAAAAAAAAAHAAAAAAAAAAAAAAAAAAAAAAAAAAAAAAAAAAAAf39/ACUAAABYAAAAAAAAAAAAAAAAAAAAAAAAAAAAAAAAAAAAAAAAAAAAAAAAAAAAAAAAAAAAAAA/AAAAAAAAAKCGAQAAAAAAAAAAAAAAAAAMAAAAAQAAAAAAAAAAAAAAAAAAAB8AAABUAAAAAAAABQAAAAEAAAAAAAAAAAAAAAAAAAAAAAAAAAAAAAAAAAAAAAAAAAAAAAJ/f38AAAAAA8zMzADAwP8Af39/AAAAAAAAAAAAAAAAAAAAAAAAAAAAIQAAABgAAAAUAAAAViYAAKcWAABGRwAAUiIAABAAAAAmAAAACAAAAD0gAAAAAAAA"/>
               </a:ext>
             </a:extLst>
           </p:cNvSpPr>
@@ -2283,7 +2291,7 @@
 </file>
 
 <file path=ppt/slideLayouts/slideLayout24.xml><?xml version="1.0" encoding="utf-8"?>
-<p:sldLayout xmlns:p="http://schemas.openxmlformats.org/presentationml/2006/main" xmlns:mc="http://schemas.openxmlformats.org/markup-compatibility/2006" xmlns:p14="http://schemas.microsoft.com/office/powerpoint/2010/main" xmlns:p15="http://schemas.microsoft.com/office/powerpoint/2012/main" xmlns:r="http://schemas.openxmlformats.org/officeDocument/2006/relationships" xmlns:a="http://schemas.openxmlformats.org/drawingml/2006/main" type="blank" preserve="1">
+<p:sldLayout xmlns:a="http://schemas.openxmlformats.org/drawingml/2006/main" xmlns:r="http://schemas.openxmlformats.org/officeDocument/2006/relationships" xmlns:p="http://schemas.openxmlformats.org/presentationml/2006/main" type="blank" preserve="1">
   <p:cSld name="Title, 6 Content">
     <p:spTree>
       <p:nvGrpSpPr>
@@ -2306,7 +2314,7 @@
             <a:spLocks noGrp="1" noChangeArrowheads="1"/>
             <a:extLst>
               <a:ext uri="smNativeData">
-                <pr:smNativeData xmlns:pr="smNativeData" xmlns="smNativeData" val="SMDATA_15_q5OGZBMAAAAlAAAAZAAAAA0AAAAAAAAAAAAAAAAAAAAAAAAAAAAAAAABAAAAAAAAAAEAAABQAAAAAAAAAAAA4D8AAAAAAADgPwAAAAAAAOA/AAAAAAAA4D8AAAAAAADgPwAAAAAAAOA/AAAAAAAA4D8AAAAAAADgPwAAAAAAAOA/AAAAAAAA4D8CAAAAjAAAAAAAAAAAAAAARHLEDP///wgAAAAAAAAAAAAAAAAAAAAAAAAAAAAAAAAAAAAAZAAAAAEAAABAAAAAAAAAAAAAAAAAAAAAAAAAAAAAAAAAAAAAAAAAAAAAAAAAAAAAAAAAAAAAAAAAAAAAAAAAAAAAAAAAAAAAAAAAAAAAAAAAAAAAAAAAAAAAAAAAAAAAFAAAADwAAAAAAAAAAAAAAAAAAAkUAAAAAQAAABQAAAAUAAAAFAAAAAEAAAAAAAAAZAAAAGQAAAAAAAAAZAAAAGQAAAAVAAAAYAAAAAAAAAAAAAAADwAAACADAAAAAAAAAAAAAAEAAACgMgAAVgcAAKr4//8BAAAAf39/AAEAAABkAAAAAAAAABQAAABAHwAAAAAAACYAAAAAAAAAwOD//wAAAAAmAAAAZAAAABYAAABMAAAAAAAAAAAAAAAEAAAAAAAAAAEAAADn5uYKAAAAACgAAAAoAAAAZAAAAGQAAAAAAAAAzMzMAAAAAABQAAAAUAAAAGQAAABkAAAAAAAAABcAAAAUAAAAAAAAAAAAAAD/fwAA/38AAAAAAAAJAAAABAAAAAAAAAAeAAAAaAAAAAAAAAAAAAAAAAAAAAAAAAAAAAAAECcAABAnAAAAAAAAAAAAAAAAAAAAAAAAAAAAAAAAAAAAAAAAAAAAABQAAAAAAAAAwMD/AAAAAABkAAAAMgAAAAAAAABkAAAAAAAAAH9/fwAKAAAAIgAAABgAAAAAAAAAAAAAAAAAAAAAAAAAAAAAAAAAAAAkAAAAJAAAAAAAAAAHAAAAAAAAAAAAAAAAAAAAAAAAAAAAAAAAAAAAf39/ACUAAABYAAAAAAAAAAAAAAAAAAAAAAAAAAAAAAAAAAAAAAAAAAAAAAAAAAAAAAAAAAAAAAA/AAAAAAAAAKCGAQAAAAAAAAAAAAAAAAAMAAAAAQAAAAAAAAAAAAAAAAAAAB8AAABUAAAAAAAABQAAAAEAAAAAAAAAAAAAAAAAAAAAAAAAAAAAAAAAAAAAAAAAAAAAAAJ/f38AAAAAA8zMzADAwP8Af39/AAAAAAAAAAAAAAAAAAAAAAAAAAAAIQAAABgAAAAUAAAAwAMAAK8BAAA/RwAAuggAABAAAAAmAAAACAAAAD0gAAAAAAAA"/>
+                <pr:smNativeData xmlns="smNativeData" xmlns:pr="smNativeData" xmlns:p15="http://schemas.microsoft.com/office/powerpoint/2012/main" xmlns:p14="http://schemas.microsoft.com/office/powerpoint/2010/main" xmlns:mc="http://schemas.openxmlformats.org/markup-compatibility/2006" val="SMDATA_15_q5OGZBMAAAAlAAAAZAAAAA0AAAAAAAAAAAAAAAAAAAAAAAAAAAAAAAABAAAAAAAAAAEAAABQAAAAAAAAAAAA4D8AAAAAAADgPwAAAAAAAOA/AAAAAAAA4D8AAAAAAADgPwAAAAAAAOA/AAAAAAAA4D8AAAAAAADgPwAAAAAAAOA/AAAAAAAA4D8CAAAAjAAAAAAAAAAAAAAARHLEDP///wgAAAAAAAAAAAAAAAAAAAAAAAAAAAAAAAAAAAAAZAAAAAEAAABAAAAAAAAAAAAAAAAAAAAAAAAAAAAAAAAAAAAAAAAAAAAAAAAAAAAAAAAAAAAAAAAAAAAAAAAAAAAAAAAAAAAAAAAAAAAAAAAAAAAAAAAAAAAAAAAAAAAAFAAAADwAAAAAAAAAAAAAAAAAAAkUAAAAAQAAABQAAAAUAAAAFAAAAAEAAAAAAAAAZAAAAGQAAAAAAAAAZAAAAGQAAAAVAAAAYAAAAAAAAAAAAAAADwAAACADAAAAAAAAAAAAAAEAAACgMgAAVgcAAKr4//8BAAAAf39/AAEAAABkAAAAAAAAABQAAABAHwAAAAAAACYAAAAAAAAAwOD//wAAAAAmAAAAZAAAABYAAABMAAAAAAAAAAAAAAAEAAAAAAAAAAEAAADn5uYKAAAAACgAAAAoAAAAZAAAAGQAAAAAAAAAzMzMAAAAAABQAAAAUAAAAGQAAABkAAAAAAAAABcAAAAUAAAAAAAAAAAAAAD/fwAA/38AAAAAAAAJAAAABAAAAAAAAAAeAAAAaAAAAAAAAAAAAAAAAAAAAAAAAAAAAAAAECcAABAnAAAAAAAAAAAAAAAAAAAAAAAAAAAAAAAAAAAAAAAAAAAAABQAAAAAAAAAwMD/AAAAAABkAAAAMgAAAAAAAABkAAAAAAAAAH9/fwAKAAAAIgAAABgAAAAAAAAAAAAAAAAAAAAAAAAAAAAAAAAAAAAkAAAAJAAAAAAAAAAHAAAAAAAAAAAAAAAAAAAAAAAAAAAAAAAAAAAAf39/ACUAAABYAAAAAAAAAAAAAAAAAAAAAAAAAAAAAAAAAAAAAAAAAAAAAAAAAAAAAAAAAAAAAAA/AAAAAAAAAKCGAQAAAAAAAAAAAAAAAAAMAAAAAQAAAAAAAAAAAAAAAAAAAB8AAABUAAAAAAAABQAAAAEAAAAAAAAAAAAAAAAAAAAAAAAAAAAAAAAAAAAAAAAAAAAAAAJ/f38AAAAAA8zMzADAwP8Af39/AAAAAAAAAAAAAAAAAAAAAAAAAAAAIQAAABgAAAAUAAAAwAMAAK8BAAA/RwAAuggAABAAAAAmAAAACAAAAD0gAAAAAAAA"/>
               </a:ext>
             </a:extLst>
           </p:cNvSpPr>
@@ -2342,7 +2350,7 @@
             <a:spLocks noGrp="1" noChangeArrowheads="1"/>
             <a:extLst>
               <a:ext uri="smNativeData">
-                <pr:smNativeData xmlns:pr="smNativeData" xmlns="smNativeData" val="SMDATA_15_q5OGZBMAAAAlAAAAZAAAAA0AAAAAAAAAAAAAAAAAAAAAAAAAAAAAAAAAAAAAAAAAAAEAAABQAAAAAAAAAAAA4D8AAAAAAADgPwAAAAAAAOA/AAAAAAAA4D8AAAAAAADgPwAAAAAAAOA/AAAAAAAA4D8AAAAAAADgPwAAAAAAAOA/AAAAAAAA4D8CAAAAjAAAAAAAAAAAAAAARHLEDP///wgAAAAAAAAAAAAAAAAAAAAAAAAAAAAAAAAAAAAAZAAAAAEAAABAAAAAAAAAAAAAAAAAAAAAAAAAAAAAAAAAAAAAAAAAAAAAAAAAAAAAAAAAAAAAAAAAAAAAAAAAAAAAAAAAAAAAAAAAAAAAAAAAAAAAAAAAAAAAAAAAAAAAFAAAADwAAAAAAAAAAAAAAAAAAAkUAAAAAQAAABQAAAAUAAAAFAAAAAEAAAAAAAAAZAAAAGQAAAAAAAAAZAAAAGQAAAAVAAAAYAAAAAAAAAAAAAAADwAAACADAAAAAAAAAAAAAAEAAACgMgAAVgcAAKr4//8BAAAAf39/AAEAAABkAAAAAAAAABQAAABAHwAAAAAAACYAAAAAAAAAwOD//wAAAAAmAAAAZAAAABYAAABMAAAAAAAAAAAAAAAEAAAAAAAAAAEAAADn5uYKAAAAACgAAAAoAAAAZAAAAGQAAAAAAAAAzMzMAAAAAABQAAAAUAAAAGQAAABkAAAAAAAAABcAAAAUAAAAAAAAAAAAAAD/fwAA/38AAAAAAAAJAAAABAAAAAAAAAAeAAAAaAAAAAAAAAAAAAAAAAAAAAAAAAAAAAAAECcAABAnAAAAAAAAAAAAAAAAAAAAAAAAAAAAAAAAAAAAAAAAAAAAABQAAAAAAAAAwMD/AAAAAABkAAAAMgAAAAAAAABkAAAAAAAAAH9/fwAKAAAAIgAAABgAAAAAAAAAAAAAAAAAAAAAAAAAAAAAAAAAAAAkAAAAJAAAAAAAAAAHAAAAAAAAAAAAAAAAAAAAAAAAAAAAAAAAAAAAf39/ACUAAABYAAAAAAAAAAAAAAAAAAAAAAAAAAAAAAAAAAAAAAAAAAAAAAAAAAAAAAAAAAAAAAA/AAAAAAAAAKCGAQAAAAAAAAAAAAAAAAAMAAAAAQAAAAAAAAAAAAAAAAAAAB8AAABUAAAAAAAABQAAAAEAAAAAAAAAAAAAAAAAAAAAAAAAAAAAAAAAAAAAAAAAAAAAAAJ/f38AAAAAA8zMzADAwP8Af39/AAAAAAAAAAAAAAAAAAAAAAAAAAAAIQAAABgAAAAUAAAAwAMAAN8JAAB8GQAAihUAABAAAAAmAAAACAAAAD0gAAAAAAAA"/>
+                <pr:smNativeData xmlns="smNativeData" xmlns:pr="smNativeData" xmlns:p15="http://schemas.microsoft.com/office/powerpoint/2012/main" xmlns:p14="http://schemas.microsoft.com/office/powerpoint/2010/main" xmlns:mc="http://schemas.openxmlformats.org/markup-compatibility/2006" val="SMDATA_15_q5OGZBMAAAAlAAAAZAAAAA0AAAAAAAAAAAAAAAAAAAAAAAAAAAAAAAAAAAAAAAAAAAEAAABQAAAAAAAAAAAA4D8AAAAAAADgPwAAAAAAAOA/AAAAAAAA4D8AAAAAAADgPwAAAAAAAOA/AAAAAAAA4D8AAAAAAADgPwAAAAAAAOA/AAAAAAAA4D8CAAAAjAAAAAAAAAAAAAAARHLEDP///wgAAAAAAAAAAAAAAAAAAAAAAAAAAAAAAAAAAAAAZAAAAAEAAABAAAAAAAAAAAAAAAAAAAAAAAAAAAAAAAAAAAAAAAAAAAAAAAAAAAAAAAAAAAAAAAAAAAAAAAAAAAAAAAAAAAAAAAAAAAAAAAAAAAAAAAAAAAAAAAAAAAAAFAAAADwAAAAAAAAAAAAAAAAAAAkUAAAAAQAAABQAAAAUAAAAFAAAAAEAAAAAAAAAZAAAAGQAAAAAAAAAZAAAAGQAAAAVAAAAYAAAAAAAAAAAAAAADwAAACADAAAAAAAAAAAAAAEAAACgMgAAVgcAAKr4//8BAAAAf39/AAEAAABkAAAAAAAAABQAAABAHwAAAAAAACYAAAAAAAAAwOD//wAAAAAmAAAAZAAAABYAAABMAAAAAAAAAAAAAAAEAAAAAAAAAAEAAADn5uYKAAAAACgAAAAoAAAAZAAAAGQAAAAAAAAAzMzMAAAAAABQAAAAUAAAAGQAAABkAAAAAAAAABcAAAAUAAAAAAAAAAAAAAD/fwAA/38AAAAAAAAJAAAABAAAAAAAAAAeAAAAaAAAAAAAAAAAAAAAAAAAAAAAAAAAAAAAECcAABAnAAAAAAAAAAAAAAAAAAAAAAAAAAAAAAAAAAAAAAAAAAAAABQAAAAAAAAAwMD/AAAAAABkAAAAMgAAAAAAAABkAAAAAAAAAH9/fwAKAAAAIgAAABgAAAAAAAAAAAAAAAAAAAAAAAAAAAAAAAAAAAAkAAAAJAAAAAAAAAAHAAAAAAAAAAAAAAAAAAAAAAAAAAAAAAAAAAAAf39/ACUAAABYAAAAAAAAAAAAAAAAAAAAAAAAAAAAAAAAAAAAAAAAAAAAAAAAAAAAAAAAAAAAAAA/AAAAAAAAAKCGAQAAAAAAAAAAAAAAAAAMAAAAAQAAAAAAAAAAAAAAAAAAAB8AAABUAAAAAAAABQAAAAEAAAAAAAAAAAAAAAAAAAAAAAAAAAAAAAAAAAAAAAAAAAAAAAJ/f38AAAAAA8zMzADAwP8Af39/AAAAAAAAAAAAAAAAAAAAAAAAAAAAIQAAABgAAAAUAAAAwAMAAN8JAAB8GQAAihUAABAAAAAmAAAACAAAAD0gAAAAAAAA"/>
               </a:ext>
             </a:extLst>
           </p:cNvSpPr>
@@ -2378,7 +2386,7 @@
             <a:spLocks noGrp="1" noChangeArrowheads="1"/>
             <a:extLst>
               <a:ext uri="smNativeData">
-                <pr:smNativeData xmlns:pr="smNativeData" xmlns="smNativeData" val="SMDATA_15_q5OGZBMAAAAlAAAAZAAAAA0AAAAAAAAAAAAAAAAAAAAAAAAAAAAAAAAAAAAAAAAAAAEAAABQAAAAAAAAAAAA4D8AAAAAAADgPwAAAAAAAOA/AAAAAAAA4D8AAAAAAADgPwAAAAAAAOA/AAAAAAAA4D8AAAAAAADgPwAAAAAAAOA/AAAAAAAA4D8CAAAAjAAAAAAAAAAAAAAARHLEDP///wgAAAAAAAAAAAAAAAAAAAAAAAAAAAAAAAAAAAAAZAAAAAEAAABAAAAAAAAAAAAAAAAAAAAAAAAAAAAAAAAAAAAAAAAAAAAAAAAAAAAAAAAAAAAAAAAAAAAAAAAAAAAAAAAAAAAAAAAAAAAAAAAAAAAAAAAAAAAAAAAAAAAAFAAAADwAAAAAAAAAAAAAAAAAAAkUAAAAAQAAABQAAAAUAAAAFAAAAAEAAAAAAAAAZAAAAGQAAAAAAAAAZAAAAGQAAAAVAAAAYAAAAAAAAAAAAAAADwAAACADAAAAAAAAAAAAAAEAAACgMgAAVgcAAKr4//8BAAAAf39/AAEAAABkAAAAAAAAABQAAABAHwAAAAAAACYAAAAAAAAAwOD//wAAAAAmAAAAZAAAABYAAABMAAAAAAAAAAAAAAAEAAAAAAAAAAEAAADn5uYKAAAAACgAAAAoAAAAZAAAAGQAAAAAAAAAzMzMAAAAAABQAAAAUAAAAGQAAABkAAAAAAAAABcAAAAUAAAAAAAAAAAAAAD/fwAA/38AAAAAAAAJAAAABAAAAGV0AAYeAAAAaAAAAAAAAAAAAAAAAAAAAAAAAAAAAAAAECcAABAnAAAAAAAAAAAAAAAAAAAAAAAAAAAAAAAAAAAAAAAAAAAAABQAAAAAAAAAwMD/AAAAAABkAAAAMgAAAAAAAABkAAAAAAAAAH9/fwAKAAAAIgAAABgAAAAAAAAAAAAAAAAAAAAAAAAAAAAAAAAAAAAkAAAAJAAAAAAAAAAHAAAAAAAAAAAAAAAAAAAAAAAAAAAAAAAAAAAAf39/ACUAAABYAAAAAAAAAAAAAAAAAAAAAAAAAAAAAAAAAAAAAAAAAAAAAAAAAAAAAAAAAAAAAAA/AAAAAAAAAKCGAQAAAAAAAAAAAAAAAAAMAAAAAQAAAAAAAAAAAAAAAAAAAB8AAABUAAAAAAAABQAAAAEAAAAAAAAAAAAAAAAAAAAAAAAAAAAAAAAAAAAAAAAAAAAAAAJ/f38AAAAAA8zMzADAwP8Af39/AAAAAAAAAAAAAAAAAAAAAAAAAAAAIQAAABgAAAAUAAAAkxoAAN8JAABOMAAAihUAABAAAAAmAAAACAAAAD0gAAAAAAAA"/>
+                <pr:smNativeData xmlns="smNativeData" xmlns:pr="smNativeData" xmlns:p15="http://schemas.microsoft.com/office/powerpoint/2012/main" xmlns:p14="http://schemas.microsoft.com/office/powerpoint/2010/main" xmlns:mc="http://schemas.openxmlformats.org/markup-compatibility/2006" val="SMDATA_15_q5OGZBMAAAAlAAAAZAAAAA0AAAAAAAAAAAAAAAAAAAAAAAAAAAAAAAAAAAAAAAAAAAEAAABQAAAAAAAAAAAA4D8AAAAAAADgPwAAAAAAAOA/AAAAAAAA4D8AAAAAAADgPwAAAAAAAOA/AAAAAAAA4D8AAAAAAADgPwAAAAAAAOA/AAAAAAAA4D8CAAAAjAAAAAAAAAAAAAAARHLEDP///wgAAAAAAAAAAAAAAAAAAAAAAAAAAAAAAAAAAAAAZAAAAAEAAABAAAAAAAAAAAAAAAAAAAAAAAAAAAAAAAAAAAAAAAAAAAAAAAAAAAAAAAAAAAAAAAAAAAAAAAAAAAAAAAAAAAAAAAAAAAAAAAAAAAAAAAAAAAAAAAAAAAAAFAAAADwAAAAAAAAAAAAAAAAAAAkUAAAAAQAAABQAAAAUAAAAFAAAAAEAAAAAAAAAZAAAAGQAAAAAAAAAZAAAAGQAAAAVAAAAYAAAAAAAAAAAAAAADwAAACADAAAAAAAAAAAAAAEAAACgMgAAVgcAAKr4//8BAAAAf39/AAEAAABkAAAAAAAAABQAAABAHwAAAAAAACYAAAAAAAAAwOD//wAAAAAmAAAAZAAAABYAAABMAAAAAAAAAAAAAAAEAAAAAAAAAAEAAADn5uYKAAAAACgAAAAoAAAAZAAAAGQAAAAAAAAAzMzMAAAAAABQAAAAUAAAAGQAAABkAAAAAAAAABcAAAAUAAAAAAAAAAAAAAD/fwAA/38AAAAAAAAJAAAABAAAAGV0AAYeAAAAaAAAAAAAAAAAAAAAAAAAAAAAAAAAAAAAECcAABAnAAAAAAAAAAAAAAAAAAAAAAAAAAAAAAAAAAAAAAAAAAAAABQAAAAAAAAAwMD/AAAAAABkAAAAMgAAAAAAAABkAAAAAAAAAH9/fwAKAAAAIgAAABgAAAAAAAAAAAAAAAAAAAAAAAAAAAAAAAAAAAAkAAAAJAAAAAAAAAAHAAAAAAAAAAAAAAAAAAAAAAAAAAAAAAAAAAAAf39/ACUAAABYAAAAAAAAAAAAAAAAAAAAAAAAAAAAAAAAAAAAAAAAAAAAAAAAAAAAAAAAAAAAAAA/AAAAAAAAAKCGAQAAAAAAAAAAAAAAAAAMAAAAAQAAAAAAAAAAAAAAAAAAAB8AAABUAAAAAAAABQAAAAEAAAAAAAAAAAAAAAAAAAAAAAAAAAAAAAAAAAAAAAAAAAAAAAJ/f38AAAAAA8zMzADAwP8Af39/AAAAAAAAAAAAAAAAAAAAAAAAAAAAIQAAABgAAAAUAAAAkxoAAN8JAABOMAAAihUAABAAAAAmAAAACAAAAD0gAAAAAAAA"/>
               </a:ext>
             </a:extLst>
           </p:cNvSpPr>
@@ -2414,7 +2422,7 @@
             <a:spLocks noGrp="1" noChangeArrowheads="1"/>
             <a:extLst>
               <a:ext uri="smNativeData">
-                <pr:smNativeData xmlns:pr="smNativeData" xmlns="smNativeData" val="SMDATA_15_q5OGZBMAAAAlAAAAZAAAAA0AAAAAAAAAAAAAAAAAAAAAAAAAAAAAAAAAAAAAAAAAAAEAAABQAAAAAAAAAAAA4D8AAAAAAADgPwAAAAAAAOA/AAAAAAAA4D8AAAAAAADgPwAAAAAAAOA/AAAAAAAA4D8AAAAAAADgPwAAAAAAAOA/AAAAAAAA4D8CAAAAjAAAAAAAAAAAAAAARHLEDP///wgAAAAAAAAAAAAAAAAAAAAAAAAAAAAAAAAAAAAAZAAAAAEAAABAAAAAAAAAAAAAAAAAAAAAAAAAAAAAAAAAAAAAAAAAAAAAAAAAAAAAAAAAAAAAAAAAAAAAAAAAAAAAAAAAAAAAAAAAAAAAAAAAAAAAAAAAAAAAAAAAAAAAFAAAADwAAAAAAAAAAAAAAAAAAAkUAAAAAQAAABQAAAAUAAAAFAAAAAEAAAAAAAAAZAAAAGQAAAAAAAAAZAAAAGQAAAAVAAAAYAAAAAAAAAAAAAAADwAAACADAAAAAAAAAAAAAAEAAACgMgAAVgcAAKr4//8BAAAAf39/AAEAAABkAAAAAAAAABQAAABAHwAAAAAAACYAAAAAAAAAwOD//wAAAAAmAAAAZAAAABYAAABMAAAAAAAAAAAAAAAEAAAAAAAAAAEAAADn5uYKAAAAACgAAAAoAAAAZAAAAGQAAAAAAAAAzMzMAAAAAABQAAAAUAAAAGQAAABkAAAAAAAAABcAAAAUAAAAAAAAAAAAAAD/fwAA/38AAAAAAAAJAAAABAAAAAAAAAAeAAAAaAAAAAAAAAAAAAAAAAAAAAAAAAAAAAAAECcAABAnAAAAAAAAAAAAAAAAAAAAAAAAAAAAAAAAAAAAAAAAAAAAABQAAAAAAAAAwMD/AAAAAABkAAAAMgAAAAAAAABkAAAAAAAAAH9/fwAKAAAAIgAAABgAAAAAAAAAAAAAAAAAAAAAAAAAAAAAAAAAAAAkAAAAJAAAAAAAAAAHAAAAAAAAAAAAAAAAAAAAAAAAAAAAAAAAAAAAf39/ACUAAABYAAAAAAAAAAAAAAAAAAAAAAAAAAAAAAAAAAAAAAAAAAAAAAAAAAAAAAAAAAAAAAA/AAAAAAAAAKCGAQAAAAAAAAAAAAAAAAAMAAAAAQAAAAAAAAAAAAAAAAAAAB8AAABUAAAAAAAABQAAAAEAAAAAAAAAAAAAAAAAAAAAAAAAAAAAAAAAAAAAAAAAAAAAAAJ/f38AAAAAA8zMzADAwP8Af39/AAAAAAAAAAAAAAAAAAAAAAAAAAAAIQAAABgAAAAUAAAAZTEAAN8JAAAhRwAAihUAABAAAAAmAAAACAAAAD0gAAAAAAAA"/>
+                <pr:smNativeData xmlns="smNativeData" xmlns:pr="smNativeData" xmlns:p15="http://schemas.microsoft.com/office/powerpoint/2012/main" xmlns:p14="http://schemas.microsoft.com/office/powerpoint/2010/main" xmlns:mc="http://schemas.openxmlformats.org/markup-compatibility/2006" val="SMDATA_15_q5OGZBMAAAAlAAAAZAAAAA0AAAAAAAAAAAAAAAAAAAAAAAAAAAAAAAAAAAAAAAAAAAEAAABQAAAAAAAAAAAA4D8AAAAAAADgPwAAAAAAAOA/AAAAAAAA4D8AAAAAAADgPwAAAAAAAOA/AAAAAAAA4D8AAAAAAADgPwAAAAAAAOA/AAAAAAAA4D8CAAAAjAAAAAAAAAAAAAAARHLEDP///wgAAAAAAAAAAAAAAAAAAAAAAAAAAAAAAAAAAAAAZAAAAAEAAABAAAAAAAAAAAAAAAAAAAAAAAAAAAAAAAAAAAAAAAAAAAAAAAAAAAAAAAAAAAAAAAAAAAAAAAAAAAAAAAAAAAAAAAAAAAAAAAAAAAAAAAAAAAAAAAAAAAAAFAAAADwAAAAAAAAAAAAAAAAAAAkUAAAAAQAAABQAAAAUAAAAFAAAAAEAAAAAAAAAZAAAAGQAAAAAAAAAZAAAAGQAAAAVAAAAYAAAAAAAAAAAAAAADwAAACADAAAAAAAAAAAAAAEAAACgMgAAVgcAAKr4//8BAAAAf39/AAEAAABkAAAAAAAAABQAAABAHwAAAAAAACYAAAAAAAAAwOD//wAAAAAmAAAAZAAAABYAAABMAAAAAAAAAAAAAAAEAAAAAAAAAAEAAADn5uYKAAAAACgAAAAoAAAAZAAAAGQAAAAAAAAAzMzMAAAAAABQAAAAUAAAAGQAAABkAAAAAAAAABcAAAAUAAAAAAAAAAAAAAD/fwAA/38AAAAAAAAJAAAABAAAAAAAAAAeAAAAaAAAAAAAAAAAAAAAAAAAAAAAAAAAAAAAECcAABAnAAAAAAAAAAAAAAAAAAAAAAAAAAAAAAAAAAAAAAAAAAAAABQAAAAAAAAAwMD/AAAAAABkAAAAMgAAAAAAAABkAAAAAAAAAH9/fwAKAAAAIgAAABgAAAAAAAAAAAAAAAAAAAAAAAAAAAAAAAAAAAAkAAAAJAAAAAAAAAAHAAAAAAAAAAAAAAAAAAAAAAAAAAAAAAAAAAAAf39/ACUAAABYAAAAAAAAAAAAAAAAAAAAAAAAAAAAAAAAAAAAAAAAAAAAAAAAAAAAAAAAAAAAAAA/AAAAAAAAAKCGAQAAAAAAAAAAAAAAAAAMAAAAAQAAAAAAAAAAAAAAAAAAAB8AAABUAAAAAAAABQAAAAEAAAAAAAAAAAAAAAAAAAAAAAAAAAAAAAAAAAAAAAAAAAAAAAJ/f38AAAAAA8zMzADAwP8Af39/AAAAAAAAAAAAAAAAAAAAAAAAAAAAIQAAABgAAAAUAAAAZTEAAN8JAAAhRwAAihUAABAAAAAmAAAACAAAAD0gAAAAAAAA"/>
               </a:ext>
             </a:extLst>
           </p:cNvSpPr>
@@ -2450,7 +2458,7 @@
             <a:spLocks noGrp="1" noChangeArrowheads="1"/>
             <a:extLst>
               <a:ext uri="smNativeData">
-                <pr:smNativeData xmlns:pr="smNativeData" xmlns="smNativeData" val="SMDATA_15_q5OGZBMAAAAlAAAAZAAAAA0AAAAAAAAAAAAAAAAAAAAAAAAAAAAAAAAAAAAAAAAAAAEAAABQAAAAAAAAAAAA4D8AAAAAAADgPwAAAAAAAOA/AAAAAAAA4D8AAAAAAADgPwAAAAAAAOA/AAAAAAAA4D8AAAAAAADgPwAAAAAAAOA/AAAAAAAA4D8CAAAAjAAAAAAAAAAAAAAARHLEDP///wgAAAAAAAAAAAAAAAAAAAAAAAAAAAAAAAAAAAAAZAAAAAEAAABAAAAAAAAAAAAAAAAAAAAAAAAAAAAAAAAAAAAAAAAAAAAAAAAAAAAAAAAAAAAAAAAAAAAAAAAAAAAAAAAAAAAAAAAAAAAAAAAAAAAAAAAAAAAAAAAAAAAAFAAAADwAAAAAAAAAAAAAAAAAAAkUAAAAAQAAABQAAAAUAAAAFAAAAAEAAAAAAAAAZAAAAGQAAAAAAAAAZAAAAGQAAAAVAAAAYAAAAAAAAAAAAAAADwAAACADAAAAAAAAAAAAAAEAAACgMgAAVgcAAKr4//8BAAAAf39/AAEAAABkAAAAAAAAABQAAABAHwAAAAAAACYAAAAAAAAAwOD//wAAAAAmAAAAZAAAABYAAABMAAAAAAAAAAAAAAAEAAAAAAAAAAEAAADn5uYKAAAAACgAAAAoAAAAZAAAAGQAAAAAAAAAzMzMAAAAAABQAAAAUAAAAGQAAABkAAAAAAAAABcAAAAUAAAAAAAAAAAAAAD/fwAA/38AAAAAAAAJAAAABAAAAAjKcwAeAAAAaAAAAAAAAAAAAAAAAAAAAAAAAAAAAAAAECcAABAnAAAAAAAAAAAAAAAAAAAAAAAAAAAAAAAAAAAAAAAAAAAAABQAAAAAAAAAwMD/AAAAAABkAAAAMgAAAAAAAABkAAAAAAAAAH9/fwAKAAAAIgAAABgAAAAAAAAAAAAAAAAAAAAAAAAAAAAAAAAAAAAkAAAAJAAAAAAAAAAHAAAAAAAAAAAAAAAAAAAAAAAAAAAAAAAAAAAAf39/ACUAAABYAAAAAAAAAAAAAAAAAAAAAAAAAAAAAAAAAAAAAAAAAAAAAAAAAAAAAAAAAAAAAAA/AAAAAAAAAKCGAQAAAAAAAAAAAAAAAAAMAAAAAQAAAAAAAAAAAAAAAAAAAB8AAABUAAAAAAAABQAAAAEAAAAAAAAAAAAAAAAAAAAAAAAAAAAAAAAAAAAAAAAAAAAAAAJ/f38AAAAAA8zMzADAwP8Af39/AAAAAAAAAAAAAAAAAAAAAAAAAAAAIQAAABgAAAAUAAAAwAMAAKcWAAB8GQAAUiIAABAAAAAmAAAACAAAAD0gAAAAAAAA"/>
+                <pr:smNativeData xmlns="smNativeData" xmlns:pr="smNativeData" xmlns:p15="http://schemas.microsoft.com/office/powerpoint/2012/main" xmlns:p14="http://schemas.microsoft.com/office/powerpoint/2010/main" xmlns:mc="http://schemas.openxmlformats.org/markup-compatibility/2006" val="SMDATA_15_q5OGZBMAAAAlAAAAZAAAAA0AAAAAAAAAAAAAAAAAAAAAAAAAAAAAAAAAAAAAAAAAAAEAAABQAAAAAAAAAAAA4D8AAAAAAADgPwAAAAAAAOA/AAAAAAAA4D8AAAAAAADgPwAAAAAAAOA/AAAAAAAA4D8AAAAAAADgPwAAAAAAAOA/AAAAAAAA4D8CAAAAjAAAAAAAAAAAAAAARHLEDP///wgAAAAAAAAAAAAAAAAAAAAAAAAAAAAAAAAAAAAAZAAAAAEAAABAAAAAAAAAAAAAAAAAAAAAAAAAAAAAAAAAAAAAAAAAAAAAAAAAAAAAAAAAAAAAAAAAAAAAAAAAAAAAAAAAAAAAAAAAAAAAAAAAAAAAAAAAAAAAAAAAAAAAFAAAADwAAAAAAAAAAAAAAAAAAAkUAAAAAQAAABQAAAAUAAAAFAAAAAEAAAAAAAAAZAAAAGQAAAAAAAAAZAAAAGQAAAAVAAAAYAAAAAAAAAAAAAAADwAAACADAAAAAAAAAAAAAAEAAACgMgAAVgcAAKr4//8BAAAAf39/AAEAAABkAAAAAAAAABQAAABAHwAAAAAAACYAAAAAAAAAwOD//wAAAAAmAAAAZAAAABYAAABMAAAAAAAAAAAAAAAEAAAAAAAAAAEAAADn5uYKAAAAACgAAAAoAAAAZAAAAGQAAAAAAAAAzMzMAAAAAABQAAAAUAAAAGQAAABkAAAAAAAAABcAAAAUAAAAAAAAAAAAAAD/fwAA/38AAAAAAAAJAAAABAAAAAjKcwAeAAAAaAAAAAAAAAAAAAAAAAAAAAAAAAAAAAAAECcAABAnAAAAAAAAAAAAAAAAAAAAAAAAAAAAAAAAAAAAAAAAAAAAABQAAAAAAAAAwMD/AAAAAABkAAAAMgAAAAAAAABkAAAAAAAAAH9/fwAKAAAAIgAAABgAAAAAAAAAAAAAAAAAAAAAAAAAAAAAAAAAAAAkAAAAJAAAAAAAAAAHAAAAAAAAAAAAAAAAAAAAAAAAAAAAAAAAAAAAf39/ACUAAABYAAAAAAAAAAAAAAAAAAAAAAAAAAAAAAAAAAAAAAAAAAAAAAAAAAAAAAAAAAAAAAA/AAAAAAAAAKCGAQAAAAAAAAAAAAAAAAAMAAAAAQAAAAAAAAAAAAAAAAAAAB8AAABUAAAAAAAABQAAAAEAAAAAAAAAAAAAAAAAAAAAAAAAAAAAAAAAAAAAAAAAAAAAAAJ/f38AAAAAA8zMzADAwP8Af39/AAAAAAAAAAAAAAAAAAAAAAAAAAAAIQAAABgAAAAUAAAAwAMAAKcWAAB8GQAAUiIAABAAAAAmAAAACAAAAD0gAAAAAAAA"/>
               </a:ext>
             </a:extLst>
           </p:cNvSpPr>
@@ -2486,7 +2494,7 @@
             <a:spLocks noGrp="1" noChangeArrowheads="1"/>
             <a:extLst>
               <a:ext uri="smNativeData">
-                <pr:smNativeData xmlns:pr="smNativeData" xmlns="smNativeData" val="SMDATA_15_q5OGZBMAAAAlAAAAZAAAAA0AAAAAAAAAAAAAAAAAAAAAAAAAAAAAAAAAAAAAAAAAAAEAAABQAAAAAAAAAAAA4D8AAAAAAADgPwAAAAAAAOA/AAAAAAAA4D8AAAAAAADgPwAAAAAAAOA/AAAAAAAA4D8AAAAAAADgPwAAAAAAAOA/AAAAAAAA4D8CAAAAjAAAAAAAAAAAAAAARHLEDP///wgAAAAAAAAAAAAAAAAAAAAAAAAAAAAAAAAAAAAAZAAAAAEAAABAAAAAAAAAAAAAAAAAAAAAAAAAAAAAAAAAAAAAAAAAAAAAAAAAAAAAAAAAAAAAAAAAAAAAAAAAAAAAAAAAAAAAAAAAAAAAAAAAAAAAAAAAAAAAAAAAAAAAFAAAADwAAAAAAAAAAAAAAAAAAAkUAAAAAQAAABQAAAAUAAAAFAAAAAEAAAAAAAAAZAAAAGQAAAAAAAAAZAAAAGQAAAAVAAAAYAAAAAAAAAAAAAAADwAAACADAAAAAAAAAAAAAAEAAACgMgAAVgcAAKr4//8BAAAAf39/AAEAAABkAAAAAAAAABQAAABAHwAAAAAAACYAAAAAAAAAwOD//wAAAAAmAAAAZAAAABYAAABMAAAAAAAAAAAAAAAEAAAAAAAAAAEAAADn5uYKAAAAACgAAAAoAAAAZAAAAGQAAAAAAAAAzMzMAAAAAABQAAAAUAAAAGQAAABkAAAAAAAAABcAAAAUAAAAAAAAAAAAAAD/fwAA/38AAAAAAAAJAAAABAAAAJQC9HUeAAAAaAAAAAAAAAAAAAAAAAAAAAAAAAAAAAAAECcAABAnAAAAAAAAAAAAAAAAAAAAAAAAAAAAAAAAAAAAAAAAAAAAABQAAAAAAAAAwMD/AAAAAABkAAAAMgAAAAAAAABkAAAAAAAAAH9/fwAKAAAAIgAAABgAAAAAAAAAAAAAAAAAAAAAAAAAAAAAAAAAAAAkAAAAJAAAAAAAAAAHAAAAAAAAAAAAAAAAAAAAAAAAAAAAAAAAAAAAf39/ACUAAABYAAAAAAAAAAAAAAAAAAAAAAAAAAAAAAAAAAAAAAAAAAAAAAAAAAAAAAAAAAAAAAA/AAAAAAAAAKCGAQAAAAAAAAAAAAAAAAAMAAAAAQAAAAAAAAAAAAAAAAAAAB8AAABUAAAAAAAABQAAAAEAAAAAAAAAAAAAAAAAAAAAAAAAAAAAAAAAAAAAAAAAAAAAAAJ/f38AAAAAA8zMzADAwP8Af39/AAAAAAAAAAAAAAAAAAAAAAAAAAAAIQAAABgAAAAUAAAAkxoAAKcWAABOMAAAUiIAABAAAAAmAAAACAAAAD0gAAAAAAAA"/>
+                <pr:smNativeData xmlns="smNativeData" xmlns:pr="smNativeData" xmlns:p15="http://schemas.microsoft.com/office/powerpoint/2012/main" xmlns:p14="http://schemas.microsoft.com/office/powerpoint/2010/main" xmlns:mc="http://schemas.openxmlformats.org/markup-compatibility/2006" val="SMDATA_15_q5OGZBMAAAAlAAAAZAAAAA0AAAAAAAAAAAAAAAAAAAAAAAAAAAAAAAAAAAAAAAAAAAEAAABQAAAAAAAAAAAA4D8AAAAAAADgPwAAAAAAAOA/AAAAAAAA4D8AAAAAAADgPwAAAAAAAOA/AAAAAAAA4D8AAAAAAADgPwAAAAAAAOA/AAAAAAAA4D8CAAAAjAAAAAAAAAAAAAAARHLEDP///wgAAAAAAAAAAAAAAAAAAAAAAAAAAAAAAAAAAAAAZAAAAAEAAABAAAAAAAAAAAAAAAAAAAAAAAAAAAAAAAAAAAAAAAAAAAAAAAAAAAAAAAAAAAAAAAAAAAAAAAAAAAAAAAAAAAAAAAAAAAAAAAAAAAAAAAAAAAAAAAAAAAAAFAAAADwAAAAAAAAAAAAAAAAAAAkUAAAAAQAAABQAAAAUAAAAFAAAAAEAAAAAAAAAZAAAAGQAAAAAAAAAZAAAAGQAAAAVAAAAYAAAAAAAAAAAAAAADwAAACADAAAAAAAAAAAAAAEAAACgMgAAVgcAAKr4//8BAAAAf39/AAEAAABkAAAAAAAAABQAAABAHwAAAAAAACYAAAAAAAAAwOD//wAAAAAmAAAAZAAAABYAAABMAAAAAAAAAAAAAAAEAAAAAAAAAAEAAADn5uYKAAAAACgAAAAoAAAAZAAAAGQAAAAAAAAAzMzMAAAAAABQAAAAUAAAAGQAAABkAAAAAAAAABcAAAAUAAAAAAAAAAAAAAD/fwAA/38AAAAAAAAJAAAABAAAAJQC9HUeAAAAaAAAAAAAAAAAAAAAAAAAAAAAAAAAAAAAECcAABAnAAAAAAAAAAAAAAAAAAAAAAAAAAAAAAAAAAAAAAAAAAAAABQAAAAAAAAAwMD/AAAAAABkAAAAMgAAAAAAAABkAAAAAAAAAH9/fwAKAAAAIgAAABgAAAAAAAAAAAAAAAAAAAAAAAAAAAAAAAAAAAAkAAAAJAAAAAAAAAAHAAAAAAAAAAAAAAAAAAAAAAAAAAAAAAAAAAAAf39/ACUAAABYAAAAAAAAAAAAAAAAAAAAAAAAAAAAAAAAAAAAAAAAAAAAAAAAAAAAAAAAAAAAAAA/AAAAAAAAAKCGAQAAAAAAAAAAAAAAAAAMAAAAAQAAAAAAAAAAAAAAAAAAAB8AAABUAAAAAAAABQAAAAEAAAAAAAAAAAAAAAAAAAAAAAAAAAAAAAAAAAAAAAAAAAAAAAJ/f38AAAAAA8zMzADAwP8Af39/AAAAAAAAAAAAAAAAAAAAAAAAAAAAIQAAABgAAAAUAAAAkxoAAKcWAABOMAAAUiIAABAAAAAmAAAACAAAAD0gAAAAAAAA"/>
               </a:ext>
             </a:extLst>
           </p:cNvSpPr>
@@ -2522,7 +2530,7 @@
             <a:spLocks noGrp="1" noChangeArrowheads="1"/>
             <a:extLst>
               <a:ext uri="smNativeData">
-                <pr:smNativeData xmlns:pr="smNativeData" xmlns="smNativeData" val="SMDATA_15_q5OGZBMAAAAlAAAAZAAAAA0AAAAAAAAAAAAAAAAAAAAAAAAAAAAAAAAAAAAAAAAAAAEAAABQAAAAAAAAAAAA4D8AAAAAAADgPwAAAAAAAOA/AAAAAAAA4D8AAAAAAADgPwAAAAAAAOA/AAAAAAAA4D8AAAAAAADgPwAAAAAAAOA/AAAAAAAA4D8CAAAAjAAAAAAAAAAAAAAARHLEDP///wgAAAAAAAAAAAAAAAAAAAAAAAAAAAAAAAAAAAAAZAAAAAEAAABAAAAAAAAAAAAAAAAAAAAAAAAAAAAAAAAAAAAAAAAAAAAAAAAAAAAAAAAAAAAAAAAAAAAAAAAAAAAAAAAAAAAAAAAAAAAAAAAAAAAAAAAAAAAAAAAAAAAAFAAAADwAAAAAAAAAAAAAAAAAAAkUAAAAAQAAABQAAAAUAAAAFAAAAAEAAAAAAAAAZAAAAGQAAAAAAAAAZAAAAGQAAAAVAAAAYAAAAAAAAAAAAAAADwAAACADAAAAAAAAAAAAAAEAAACgMgAAVgcAAKr4//8BAAAAf39/AAEAAABkAAAAAAAAABQAAABAHwAAAAAAACYAAAAAAAAAwOD//wAAAAAmAAAAZAAAABYAAABMAAAAAAAAAAAAAAAEAAAAAAAAAAEAAADn5uYKAAAAACgAAAAoAAAAZAAAAGQAAAAAAAAAzMzMAAAAAABQAAAAUAAAAGQAAABkAAAAAAAAABcAAAAUAAAAAAAAAAAAAAD/fwAA/38AAAAAAAAJAAAABAAAAAAAAAAeAAAAaAAAAAAAAAAAAAAAAAAAAAAAAAAAAAAAECcAABAnAAAAAAAAAAAAAAAAAAAAAAAAAAAAAAAAAAAAAAAAAAAAABQAAAAAAAAAwMD/AAAAAABkAAAAMgAAAAAAAABkAAAAAAAAAH9/fwAKAAAAIgAAABgAAAAAAAAAAAAAAAAAAAAAAAAAAAAAAAAAAAAkAAAAJAAAAAAAAAAHAAAAAAAAAAAAAAAAAAAAAAAAAAAAAAAAAAAAf39/ACUAAABYAAAAAAAAAAAAAAAAAAAAAAAAAAAAAAAAAAAAAAAAAAAAAAAAAAAAAAAAAAAAAAA/AAAAAAAAAKCGAQAAAAAAAAAAAAAAAAAMAAAAAQAAAAAAAAAAAAAAAAAAAB8AAABUAAAAAAAABQAAAAEAAAAAAAAAAAAAAAAAAAAAAAAAAAAAAAAAAAAAAAAAAAAAAAJ/f38AAAAAA8zMzADAwP8Af39/AAAAAAAAAAAAAAAAAAAAAAAAAAAAIQAAABgAAAAUAAAAZTEAAKcWAAAhRwAAUiIAABAAAAAmAAAACAAAAD0gAAAAAAAA"/>
+                <pr:smNativeData xmlns="smNativeData" xmlns:pr="smNativeData" xmlns:p15="http://schemas.microsoft.com/office/powerpoint/2012/main" xmlns:p14="http://schemas.microsoft.com/office/powerpoint/2010/main" xmlns:mc="http://schemas.openxmlformats.org/markup-compatibility/2006" val="SMDATA_15_q5OGZBMAAAAlAAAAZAAAAA0AAAAAAAAAAAAAAAAAAAAAAAAAAAAAAAAAAAAAAAAAAAEAAABQAAAAAAAAAAAA4D8AAAAAAADgPwAAAAAAAOA/AAAAAAAA4D8AAAAAAADgPwAAAAAAAOA/AAAAAAAA4D8AAAAAAADgPwAAAAAAAOA/AAAAAAAA4D8CAAAAjAAAAAAAAAAAAAAARHLEDP///wgAAAAAAAAAAAAAAAAAAAAAAAAAAAAAAAAAAAAAZAAAAAEAAABAAAAAAAAAAAAAAAAAAAAAAAAAAAAAAAAAAAAAAAAAAAAAAAAAAAAAAAAAAAAAAAAAAAAAAAAAAAAAAAAAAAAAAAAAAAAAAAAAAAAAAAAAAAAAAAAAAAAAFAAAADwAAAAAAAAAAAAAAAAAAAkUAAAAAQAAABQAAAAUAAAAFAAAAAEAAAAAAAAAZAAAAGQAAAAAAAAAZAAAAGQAAAAVAAAAYAAAAAAAAAAAAAAADwAAACADAAAAAAAAAAAAAAEAAACgMgAAVgcAAKr4//8BAAAAf39/AAEAAABkAAAAAAAAABQAAABAHwAAAAAAACYAAAAAAAAAwOD//wAAAAAmAAAAZAAAABYAAABMAAAAAAAAAAAAAAAEAAAAAAAAAAEAAADn5uYKAAAAACgAAAAoAAAAZAAAAGQAAAAAAAAAzMzMAAAAAABQAAAAUAAAAGQAAABkAAAAAAAAABcAAAAUAAAAAAAAAAAAAAD/fwAA/38AAAAAAAAJAAAABAAAAAAAAAAeAAAAaAAAAAAAAAAAAAAAAAAAAAAAAAAAAAAAECcAABAnAAAAAAAAAAAAAAAAAAAAAAAAAAAAAAAAAAAAAAAAAAAAABQAAAAAAAAAwMD/AAAAAABkAAAAMgAAAAAAAABkAAAAAAAAAH9/fwAKAAAAIgAAABgAAAAAAAAAAAAAAAAAAAAAAAAAAAAAAAAAAAAkAAAAJAAAAAAAAAAHAAAAAAAAAAAAAAAAAAAAAAAAAAAAAAAAAAAAf39/ACUAAABYAAAAAAAAAAAAAAAAAAAAAAAAAAAAAAAAAAAAAAAAAAAAAAAAAAAAAAAAAAAAAAA/AAAAAAAAAKCGAQAAAAAAAAAAAAAAAAAMAAAAAQAAAAAAAAAAAAAAAAAAAB8AAABUAAAAAAAABQAAAAEAAAAAAAAAAAAAAAAAAAAAAAAAAAAAAAAAAAAAAAAAAAAAAAJ/f38AAAAAA8zMzADAwP8Af39/AAAAAAAAAAAAAAAAAAAAAAAAAAAAIQAAABgAAAAUAAAAZTEAAKcWAAAhRwAAUiIAABAAAAAmAAAACAAAAD0gAAAAAAAA"/>
               </a:ext>
             </a:extLst>
           </p:cNvSpPr>
@@ -2560,7 +2568,7 @@
 </file>
 
 <file path=ppt/slideLayouts/slideLayout25.xml><?xml version="1.0" encoding="utf-8"?>
-<p:sldLayout xmlns:p="http://schemas.openxmlformats.org/presentationml/2006/main" xmlns:mc="http://schemas.openxmlformats.org/markup-compatibility/2006" xmlns:p14="http://schemas.microsoft.com/office/powerpoint/2010/main" xmlns:p15="http://schemas.microsoft.com/office/powerpoint/2012/main" xmlns:r="http://schemas.openxmlformats.org/officeDocument/2006/relationships" xmlns:a="http://schemas.openxmlformats.org/drawingml/2006/main" type="blank" preserve="1">
+<p:sldLayout xmlns:a="http://schemas.openxmlformats.org/drawingml/2006/main" xmlns:r="http://schemas.openxmlformats.org/officeDocument/2006/relationships" xmlns:p="http://schemas.openxmlformats.org/presentationml/2006/main" type="blank" preserve="1">
   <p:cSld name="Blank Slide">
     <p:spTree>
       <p:nvGrpSpPr>
@@ -2585,7 +2593,7 @@
 </file>
 
 <file path=ppt/slideLayouts/slideLayout26.xml><?xml version="1.0" encoding="utf-8"?>
-<p:sldLayout xmlns:p="http://schemas.openxmlformats.org/presentationml/2006/main" xmlns:mc="http://schemas.openxmlformats.org/markup-compatibility/2006" xmlns:p14="http://schemas.microsoft.com/office/powerpoint/2010/main" xmlns:p15="http://schemas.microsoft.com/office/powerpoint/2012/main" xmlns:r="http://schemas.openxmlformats.org/officeDocument/2006/relationships" xmlns:a="http://schemas.openxmlformats.org/drawingml/2006/main" type="tx" preserve="1">
+<p:sldLayout xmlns:a="http://schemas.openxmlformats.org/drawingml/2006/main" xmlns:r="http://schemas.openxmlformats.org/officeDocument/2006/relationships" xmlns:p="http://schemas.openxmlformats.org/presentationml/2006/main" type="tx" preserve="1">
   <p:cSld name="Title Slide">
     <p:spTree>
       <p:nvGrpSpPr>
@@ -2608,7 +2616,7 @@
             <a:spLocks noGrp="1" noChangeArrowheads="1"/>
             <a:extLst>
               <a:ext uri="smNativeData">
-                <pr:smNativeData xmlns:pr="smNativeData" xmlns="smNativeData" val="SMDATA_15_q5OGZBMAAAAlAAAAZAAAAA0AAAAAAAAAAAAAAAAAAAAAAAAAAAAAAAABAAAAAAAAAAEAAABQAAAAAAAAAAAA4D8AAAAAAADgPwAAAAAAAOA/AAAAAAAA4D8AAAAAAADgPwAAAAAAAOA/AAAAAAAA4D8AAAAAAADgPwAAAAAAAOA/AAAAAAAA4D8CAAAAjAAAAAAAAAAAAAAARHLEDP///wgAAAAAAAAAAAAAAAAAAAAAAAAAAAAAAAAAAAAAZAAAAAEAAABAAAAAAAAAAAAAAAAAAAAAAAAAAAAAAAAAAAAAAAAAAAAAAAAAAAAAAAAAAAAAAAAAAAAAAAAAAAAAAAAAAAAAAAAAAAAAAAAAAAAAAAAAAAAAAAAAAAAAFAAAADwAAAAAAAAAAAAAAAAAAAkUAAAAAQAAABQAAAAUAAAAFAAAAAEAAAAAAAAAZAAAAGQAAAAAAAAAZAAAAGQAAAAVAAAAYAAAAAAAAAAAAAAADwAAACADAAAAAAAAAAAAAAEAAACgMgAAVgcAAKr4//8BAAAAf39/AAEAAABkAAAAAAAAABQAAABAHwAAAAAAACYAAAAAAAAAwOD//wAAAAAmAAAAZAAAABYAAABMAAAAAAAAAAAAAAAEAAAAAAAAAAEAAADn5uYKAAAAACgAAAAoAAAAZAAAAGQAAAAAAAAAzMzMAAAAAABQAAAAUAAAAGQAAABkAAAAAAAAABcAAAAUAAAAAAAAAAAAAAD/fwAA/38AAAAAAAAJAAAABAAAAOtQyQseAAAAaAAAAAAAAAAAAAAAAAAAAAAAAAAAAAAAECcAABAnAAAAAAAAAAAAAAAAAAAAAAAAAAAAAAAAAAAAAAAAAAAAABQAAAAAAAAAwMD/AAAAAABkAAAAMgAAAAAAAABkAAAAAAAAAH9/fwAKAAAAIgAAABgAAAAAAAAAAAAAAAAAAAAAAAAAAAAAAAAAAAAkAAAAJAAAAAAAAAAHAAAAAAAAAAAAAAAAAAAAAAAAAAAAAAAAAAAAf39/ACUAAABYAAAAAAAAAAAAAAAAAAAAAAAAAAAAAAAAAAAAAAAAAAAAAAAAAAAAAAAAAAAAAAA/AAAAAAAAAKCGAQAAAAAAAAAAAAAAAAAMAAAAAQAAAAAAAAAAAAAAAAAAAB8AAABUAAAAAAAABQAAAAEAAAAAAAAAAAAAAAAAAAAAAAAAAAAAAAAAAAAAAAAAAAAAAAJ/f38AAAAAA8zMzADAwP8Af39/AAAAAAAAAAAAAAAAAAAAAAAAAAAAIQAAABgAAAAUAAAAwAMAAK8BAAA/RwAAuggAABAAAAAmAAAACAAAADwgAAAAAAAA"/>
+                <pr:smNativeData xmlns="smNativeData" xmlns:pr="smNativeData" xmlns:p15="http://schemas.microsoft.com/office/powerpoint/2012/main" xmlns:p14="http://schemas.microsoft.com/office/powerpoint/2010/main" xmlns:mc="http://schemas.openxmlformats.org/markup-compatibility/2006" val="SMDATA_15_q5OGZBMAAAAlAAAAZAAAAA0AAAAAAAAAAAAAAAAAAAAAAAAAAAAAAAABAAAAAAAAAAEAAABQAAAAAAAAAAAA4D8AAAAAAADgPwAAAAAAAOA/AAAAAAAA4D8AAAAAAADgPwAAAAAAAOA/AAAAAAAA4D8AAAAAAADgPwAAAAAAAOA/AAAAAAAA4D8CAAAAjAAAAAAAAAAAAAAARHLEDP///wgAAAAAAAAAAAAAAAAAAAAAAAAAAAAAAAAAAAAAZAAAAAEAAABAAAAAAAAAAAAAAAAAAAAAAAAAAAAAAAAAAAAAAAAAAAAAAAAAAAAAAAAAAAAAAAAAAAAAAAAAAAAAAAAAAAAAAAAAAAAAAAAAAAAAAAAAAAAAAAAAAAAAFAAAADwAAAAAAAAAAAAAAAAAAAkUAAAAAQAAABQAAAAUAAAAFAAAAAEAAAAAAAAAZAAAAGQAAAAAAAAAZAAAAGQAAAAVAAAAYAAAAAAAAAAAAAAADwAAACADAAAAAAAAAAAAAAEAAACgMgAAVgcAAKr4//8BAAAAf39/AAEAAABkAAAAAAAAABQAAABAHwAAAAAAACYAAAAAAAAAwOD//wAAAAAmAAAAZAAAABYAAABMAAAAAAAAAAAAAAAEAAAAAAAAAAEAAADn5uYKAAAAACgAAAAoAAAAZAAAAGQAAAAAAAAAzMzMAAAAAABQAAAAUAAAAGQAAABkAAAAAAAAABcAAAAUAAAAAAAAAAAAAAD/fwAA/38AAAAAAAAJAAAABAAAAOtQyQseAAAAaAAAAAAAAAAAAAAAAAAAAAAAAAAAAAAAECcAABAnAAAAAAAAAAAAAAAAAAAAAAAAAAAAAAAAAAAAAAAAAAAAABQAAAAAAAAAwMD/AAAAAABkAAAAMgAAAAAAAABkAAAAAAAAAH9/fwAKAAAAIgAAABgAAAAAAAAAAAAAAAAAAAAAAAAAAAAAAAAAAAAkAAAAJAAAAAAAAAAHAAAAAAAAAAAAAAAAAAAAAAAAAAAAAAAAAAAAf39/ACUAAABYAAAAAAAAAAAAAAAAAAAAAAAAAAAAAAAAAAAAAAAAAAAAAAAAAAAAAAAAAAAAAAA/AAAAAAAAAKCGAQAAAAAAAAAAAAAAAAAMAAAAAQAAAAAAAAAAAAAAAAAAAB8AAABUAAAAAAAABQAAAAEAAAAAAAAAAAAAAAAAAAAAAAAAAAAAAAAAAAAAAAAAAAAAAAJ/f38AAAAAA8zMzADAwP8Af39/AAAAAAAAAAAAAAAAAAAAAAAAAAAAIQAAABgAAAAUAAAAwAMAAK8BAAA/RwAAuggAABAAAAAmAAAACAAAADwgAAAAAAAA"/>
               </a:ext>
             </a:extLst>
           </p:cNvSpPr>
@@ -2639,7 +2647,7 @@
             <a:spLocks noGrp="1" noChangeArrowheads="1"/>
             <a:extLst>
               <a:ext uri="smNativeData">
-                <pr:smNativeData xmlns:pr="smNativeData" xmlns="smNativeData" val="SMDATA_15_q5OGZBMAAAAlAAAAZAAAAA0AAAAAAAAAAAAAAAAAAAAAAAAAAAAAAAABAAAAAAAAAAEAAABQAAAAAAAAAAAA4D8AAAAAAADgPwAAAAAAAOA/AAAAAAAA4D8AAAAAAADgPwAAAAAAAOA/AAAAAAAA4D8AAAAAAADgPwAAAAAAAOA/AAAAAAAA4D8CAAAAjAAAAAAAAAAAAAAARHLEDP///wgAAAAAAAAAAAAAAAAAAAAAAAAAAAAAAAAAAAAAZAAAAAEAAABAAAAAAAAAAAAAAAAAAAAAAAAAAAAAAAAAAAAAAAAAAAAAAAAAAAAAAAAAAAAAAAAAAAAAAAAAAAAAAAAAAAAAAAAAAAAAAAAAAAAAAAAAAAAAAAAAAAAAFAAAADwAAAAAAAAAAAAAAAAAAAkUAAAAAQAAABQAAAAUAAAAFAAAAAEAAAAAAAAAZAAAAGQAAAAAAAAAZAAAAGQAAAAVAAAAYAAAAAAAAAAAAAAADwAAACADAAAAAAAAAAAAAAEAAACgMgAAVgcAAKr4//8BAAAAf39/AAEAAABkAAAAAAAAABQAAABAHwAAAAAAACYAAAAAAAAAwOD//wAAAAAmAAAAZAAAABYAAABMAAAAAAAAAAAAAAAEAAAAAAAAAAEAAADn5uYKAAAAACgAAAAoAAAAZAAAAGQAAAAAAAAAzMzMAAAAAABQAAAAUAAAAGQAAABkAAAAAAAAABcAAAAUAAAAAAAAAAAAAAD/fwAA/38AAAAAAAAJAAAABAAAABIAAAAeAAAAaAAAAAAAAAAAAAAAAAAAAAAAAAAAAAAAECcAABAnAAAAAAAAAAAAAAAAAAAAAAAAAAAAAAAAAAAAAAAAAAAAABQAAAAAAAAAwMD/AAAAAABkAAAAMgAAAAAAAABkAAAAAAAAAH9/fwAKAAAAIgAAABgAAAAAAAAAAAAAAAAAAAAAAAAAAAAAAAAAAAAkAAAAJAAAAAAAAAAHAAAAAAAAAAAAAAAAAAAAAAAAAAAAAAAAAAAAf39/ACUAAABYAAAAAAAAAAAAAAAAAAAAAAAAAAAAAAAAAAAAAAAAAAAAAAAAAAAAAAAAAAAAAAA/AAAAAAAAAKCGAQAAAAAAAAAAAAAAAAAMAAAAAQAAAAAAAAAAAAAAAAAAAB8AAABUAAAAAAAABQAAAAEAAAAAAAAAAAAAAAAAAAAAAAAAAAAAAAAAAAAAAAAAAAAAAAJ/f38AAAAAA8zMzADAwP8Af39/AAAAAAAAAAAAAAAAAAAAAAAAAAAAIQAAABgAAAAUAAAAwAMAAN8JAAA/RwAAViIAABAAAAAmAAAACAAAALwgAAAAAAAA"/>
+                <pr:smNativeData xmlns="smNativeData" xmlns:pr="smNativeData" xmlns:p15="http://schemas.microsoft.com/office/powerpoint/2012/main" xmlns:p14="http://schemas.microsoft.com/office/powerpoint/2010/main" xmlns:mc="http://schemas.openxmlformats.org/markup-compatibility/2006" val="SMDATA_15_q5OGZBMAAAAlAAAAZAAAAA0AAAAAAAAAAAAAAAAAAAAAAAAAAAAAAAABAAAAAAAAAAEAAABQAAAAAAAAAAAA4D8AAAAAAADgPwAAAAAAAOA/AAAAAAAA4D8AAAAAAADgPwAAAAAAAOA/AAAAAAAA4D8AAAAAAADgPwAAAAAAAOA/AAAAAAAA4D8CAAAAjAAAAAAAAAAAAAAARHLEDP///wgAAAAAAAAAAAAAAAAAAAAAAAAAAAAAAAAAAAAAZAAAAAEAAABAAAAAAAAAAAAAAAAAAAAAAAAAAAAAAAAAAAAAAAAAAAAAAAAAAAAAAAAAAAAAAAAAAAAAAAAAAAAAAAAAAAAAAAAAAAAAAAAAAAAAAAAAAAAAAAAAAAAAFAAAADwAAAAAAAAAAAAAAAAAAAkUAAAAAQAAABQAAAAUAAAAFAAAAAEAAAAAAAAAZAAAAGQAAAAAAAAAZAAAAGQAAAAVAAAAYAAAAAAAAAAAAAAADwAAACADAAAAAAAAAAAAAAEAAACgMgAAVgcAAKr4//8BAAAAf39/AAEAAABkAAAAAAAAABQAAABAHwAAAAAAACYAAAAAAAAAwOD//wAAAAAmAAAAZAAAABYAAABMAAAAAAAAAAAAAAAEAAAAAAAAAAEAAADn5uYKAAAAACgAAAAoAAAAZAAAAGQAAAAAAAAAzMzMAAAAAABQAAAAUAAAAGQAAABkAAAAAAAAABcAAAAUAAAAAAAAAAAAAAD/fwAA/38AAAAAAAAJAAAABAAAABIAAAAeAAAAaAAAAAAAAAAAAAAAAAAAAAAAAAAAAAAAECcAABAnAAAAAAAAAAAAAAAAAAAAAAAAAAAAAAAAAAAAAAAAAAAAABQAAAAAAAAAwMD/AAAAAABkAAAAMgAAAAAAAABkAAAAAAAAAH9/fwAKAAAAIgAAABgAAAAAAAAAAAAAAAAAAAAAAAAAAAAAAAAAAAAkAAAAJAAAAAAAAAAHAAAAAAAAAAAAAAAAAAAAAAAAAAAAAAAAAAAAf39/ACUAAABYAAAAAAAAAAAAAAAAAAAAAAAAAAAAAAAAAAAAAAAAAAAAAAAAAAAAAAAAAAAAAAA/AAAAAAAAAKCGAQAAAAAAAAAAAAAAAAAMAAAAAQAAAAAAAAAAAAAAAAAAAB8AAABUAAAAAAAABQAAAAEAAAAAAAAAAAAAAAAAAAAAAAAAAAAAAAAAAAAAAAAAAAAAAAJ/f38AAAAAA8zMzADAwP8Af39/AAAAAAAAAAAAAAAAAAAAAAAAAAAAIQAAABgAAAAUAAAAwAMAAN8JAAA/RwAAViIAABAAAAAmAAAACAAAALwgAAAAAAAA"/>
               </a:ext>
             </a:extLst>
           </p:cNvSpPr>
@@ -2672,7 +2680,7 @@
 </file>
 
 <file path=ppt/slideLayouts/slideLayout27.xml><?xml version="1.0" encoding="utf-8"?>
-<p:sldLayout xmlns:p="http://schemas.openxmlformats.org/presentationml/2006/main" xmlns:mc="http://schemas.openxmlformats.org/markup-compatibility/2006" xmlns:p14="http://schemas.microsoft.com/office/powerpoint/2010/main" xmlns:p15="http://schemas.microsoft.com/office/powerpoint/2012/main" xmlns:r="http://schemas.openxmlformats.org/officeDocument/2006/relationships" xmlns:a="http://schemas.openxmlformats.org/drawingml/2006/main" type="obj" preserve="1">
+<p:sldLayout xmlns:a="http://schemas.openxmlformats.org/drawingml/2006/main" xmlns:r="http://schemas.openxmlformats.org/officeDocument/2006/relationships" xmlns:p="http://schemas.openxmlformats.org/presentationml/2006/main" type="obj" preserve="1">
   <p:cSld name="Title, Content">
     <p:spTree>
       <p:nvGrpSpPr>
@@ -2695,7 +2703,7 @@
             <a:spLocks noGrp="1" noChangeArrowheads="1"/>
             <a:extLst>
               <a:ext uri="smNativeData">
-                <pr:smNativeData xmlns:pr="smNativeData" xmlns="smNativeData" val="SMDATA_15_q5OGZBMAAAAlAAAAZAAAAA0AAAAAAAAAAAAAAAAAAAAAAAAAAAAAAAABAAAAAAAAAAEAAABQAAAAAAAAAAAA4D8AAAAAAADgPwAAAAAAAOA/AAAAAAAA4D8AAAAAAADgPwAAAAAAAOA/AAAAAAAA4D8AAAAAAADgPwAAAAAAAOA/AAAAAAAA4D8CAAAAjAAAAAAAAAAAAAAARHLEDP///wgAAAAAAAAAAAAAAAAAAAAAAAAAAAAAAAAAAAAAZAAAAAEAAABAAAAAAAAAAAAAAAAAAAAAAAAAAAAAAAAAAAAAAAAAAAAAAAAAAAAAAAAAAAAAAAAAAAAAAAAAAAAAAAAAAAAAAAAAAAAAAAAAAAAAAAAAAAAAAAAAAAAAFAAAADwAAAAAAAAAAAAAAAAAAAkUAAAAAQAAABQAAAAUAAAAFAAAAAEAAAAAAAAAZAAAAGQAAAAAAAAAZAAAAGQAAAAVAAAAYAAAAAAAAAAAAAAADwAAACADAAAAAAAAAAAAAAEAAACgMgAAVgcAAKr4//8BAAAAf39/AAEAAABkAAAAAAAAABQAAABAHwAAAAAAACYAAAAAAAAAwOD//wAAAAAmAAAAZAAAABYAAABMAAAAAAAAAAAAAAAEAAAAAAAAAAEAAADn5uYKAAAAACgAAAAoAAAAZAAAAGQAAAAAAAAAzMzMAAAAAABQAAAAUAAAAGQAAABkAAAAAAAAABcAAAAUAAAAAAAAAAAAAAD/fwAA/38AAAAAAAAJAAAABAAAAAAAAAAeAAAAaAAAAAAAAAAAAAAAAAAAAAAAAAAAAAAAECcAABAnAAAAAAAAAAAAAAAAAAAAAAAAAAAAAAAAAAAAAAAAAAAAABQAAAAAAAAAwMD/AAAAAABkAAAAMgAAAAAAAABkAAAAAAAAAH9/fwAKAAAAIgAAABgAAAAAAAAAAAAAAAAAAAAAAAAAAAAAAAAAAAAkAAAAJAAAAAAAAAAHAAAAAAAAAAAAAAAAAAAAAAAAAAAAAAAAAAAAf39/ACUAAABYAAAAAAAAAAAAAAAAAAAAAAAAAAAAAAAAAAAAAAAAAAAAAAAAAAAAAAAAAAAAAAA/AAAAAAAAAKCGAQAAAAAAAAAAAAAAAAAMAAAAAQAAAAAAAAAAAAAAAAAAAB8AAABUAAAAAAAABQAAAAEAAAAAAAAAAAAAAAAAAAAAAAAAAAAAAAAAAAAAAAAAAAAAAAJ/f38AAAAAA8zMzADAwP8Af39/AAAAAAAAAAAAAAAAAAAAAAAAAAAAIQAAABgAAAAUAAAAwAMAAK8BAAA/RwAAuggAABAAAAAmAAAACAAAADwgAAAAAAAA"/>
+                <pr:smNativeData xmlns="smNativeData" xmlns:pr="smNativeData" xmlns:p15="http://schemas.microsoft.com/office/powerpoint/2012/main" xmlns:p14="http://schemas.microsoft.com/office/powerpoint/2010/main" xmlns:mc="http://schemas.openxmlformats.org/markup-compatibility/2006" val="SMDATA_15_q5OGZBMAAAAlAAAAZAAAAA0AAAAAAAAAAAAAAAAAAAAAAAAAAAAAAAABAAAAAAAAAAEAAABQAAAAAAAAAAAA4D8AAAAAAADgPwAAAAAAAOA/AAAAAAAA4D8AAAAAAADgPwAAAAAAAOA/AAAAAAAA4D8AAAAAAADgPwAAAAAAAOA/AAAAAAAA4D8CAAAAjAAAAAAAAAAAAAAARHLEDP///wgAAAAAAAAAAAAAAAAAAAAAAAAAAAAAAAAAAAAAZAAAAAEAAABAAAAAAAAAAAAAAAAAAAAAAAAAAAAAAAAAAAAAAAAAAAAAAAAAAAAAAAAAAAAAAAAAAAAAAAAAAAAAAAAAAAAAAAAAAAAAAAAAAAAAAAAAAAAAAAAAAAAAFAAAADwAAAAAAAAAAAAAAAAAAAkUAAAAAQAAABQAAAAUAAAAFAAAAAEAAAAAAAAAZAAAAGQAAAAAAAAAZAAAAGQAAAAVAAAAYAAAAAAAAAAAAAAADwAAACADAAAAAAAAAAAAAAEAAACgMgAAVgcAAKr4//8BAAAAf39/AAEAAABkAAAAAAAAABQAAABAHwAAAAAAACYAAAAAAAAAwOD//wAAAAAmAAAAZAAAABYAAABMAAAAAAAAAAAAAAAEAAAAAAAAAAEAAADn5uYKAAAAACgAAAAoAAAAZAAAAGQAAAAAAAAAzMzMAAAAAABQAAAAUAAAAGQAAABkAAAAAAAAABcAAAAUAAAAAAAAAAAAAAD/fwAA/38AAAAAAAAJAAAABAAAAAAAAAAeAAAAaAAAAAAAAAAAAAAAAAAAAAAAAAAAAAAAECcAABAnAAAAAAAAAAAAAAAAAAAAAAAAAAAAAAAAAAAAAAAAAAAAABQAAAAAAAAAwMD/AAAAAABkAAAAMgAAAAAAAABkAAAAAAAAAH9/fwAKAAAAIgAAABgAAAAAAAAAAAAAAAAAAAAAAAAAAAAAAAAAAAAkAAAAJAAAAAAAAAAHAAAAAAAAAAAAAAAAAAAAAAAAAAAAAAAAAAAAf39/ACUAAABYAAAAAAAAAAAAAAAAAAAAAAAAAAAAAAAAAAAAAAAAAAAAAAAAAAAAAAAAAAAAAAA/AAAAAAAAAKCGAQAAAAAAAAAAAAAAAAAMAAAAAQAAAAAAAAAAAAAAAAAAAB8AAABUAAAAAAAABQAAAAEAAAAAAAAAAAAAAAAAAAAAAAAAAAAAAAAAAAAAAAAAAAAAAAJ/f38AAAAAA8zMzADAwP8Af39/AAAAAAAAAAAAAAAAAAAAAAAAAAAAIQAAABgAAAAUAAAAwAMAAK8BAAA/RwAAuggAABAAAAAmAAAACAAAADwgAAAAAAAA"/>
               </a:ext>
             </a:extLst>
           </p:cNvSpPr>
@@ -2726,7 +2734,7 @@
             <a:spLocks noGrp="1" noChangeArrowheads="1"/>
             <a:extLst>
               <a:ext uri="smNativeData">
-                <pr:smNativeData xmlns:pr="smNativeData" xmlns="smNativeData" val="SMDATA_15_q5OGZBMAAAAlAAAAZAAAAA0AAAAAAAAAAAAAAAAAAAAAAAAAAAAAAAAAAAAAAAAAAAEAAABQAAAAAAAAAAAA4D8AAAAAAADgPwAAAAAAAOA/AAAAAAAA4D8AAAAAAADgPwAAAAAAAOA/AAAAAAAA4D8AAAAAAADgPwAAAAAAAOA/AAAAAAAA4D8CAAAAjAAAAAAAAAAAAAAARHLEDP///wgAAAAAAAAAAAAAAAAAAAAAAAAAAAAAAAAAAAAAZAAAAAEAAABAAAAAAAAAAAAAAAAAAAAAAAAAAAAAAAAAAAAAAAAAAAAAAAAAAAAAAAAAAAAAAAAAAAAAAAAAAAAAAAAAAAAAAAAAAAAAAAAAAAAAAAAAAAAAAAAAAAAAFAAAADwAAAAAAAAAAAAAAAAAAAkUAAAAAQAAABQAAAAUAAAAFAAAAAEAAAAAAAAAZAAAAGQAAAAAAAAAZAAAAGQAAAAVAAAAYAAAAAAAAAAAAAAADwAAACADAAAAAAAAAAAAAAEAAACgMgAAVgcAAKr4//8BAAAAf39/AAEAAABkAAAAAAAAABQAAABAHwAAAAAAACYAAAAAAAAAwOD//wAAAAAmAAAAZAAAABYAAABMAAAAAAAAAAAAAAAEAAAAAAAAAAEAAADn5uYKAAAAACgAAAAoAAAAZAAAAGQAAAAAAAAAzMzMAAAAAABQAAAAUAAAAGQAAABkAAAAAAAAABcAAAAUAAAAAAAAAAAAAAD/fwAA/38AAAAAAAAJAAAABAAAAAAAAAAeAAAAaAAAAAAAAAAAAAAAAAAAAAAAAAAAAAAAECcAABAnAAAAAAAAAAAAAAAAAAAAAAAAAAAAAAAAAAAAAAAAAAAAABQAAAAAAAAAwMD/AAAAAABkAAAAMgAAAAAAAABkAAAAAAAAAH9/fwAKAAAAIgAAABgAAAAAAAAAAAAAAAAAAAAAAAAAAAAAAAAAAAAkAAAAJAAAAAAAAAAHAAAAAAAAAAAAAAAAAAAAAAAAAAAAAAAAAAAAf39/ACUAAABYAAAAAAAAAAAAAAAAAAAAAAAAAAAAAAAAAAAAAAAAAAAAAAAAAAAAAAAAAAAAAAA/AAAAAAAAAKCGAQAAAAAAAAAAAAAAAAAMAAAAAQAAAAAAAAAAAAAAAAAAAB8AAABUAAAAAAAABQAAAAEAAAAAAAAAAAAAAAAAAAAAAAAAAAAAAAAAAAAAAAAAAAAAAAJ/f38AAAAAA8zMzADAwP8Af39/AAAAAAAAAAAAAAAAAAAAAAAAAAAAIQAAABgAAAAUAAAAwAMAAN8JAAA/RwAAViIAABAAAAAmAAAACAAAADwgAAAAAAAA"/>
+                <pr:smNativeData xmlns="smNativeData" xmlns:pr="smNativeData" xmlns:p15="http://schemas.microsoft.com/office/powerpoint/2012/main" xmlns:p14="http://schemas.microsoft.com/office/powerpoint/2010/main" xmlns:mc="http://schemas.openxmlformats.org/markup-compatibility/2006" val="SMDATA_15_q5OGZBMAAAAlAAAAZAAAAA0AAAAAAAAAAAAAAAAAAAAAAAAAAAAAAAAAAAAAAAAAAAEAAABQAAAAAAAAAAAA4D8AAAAAAADgPwAAAAAAAOA/AAAAAAAA4D8AAAAAAADgPwAAAAAAAOA/AAAAAAAA4D8AAAAAAADgPwAAAAAAAOA/AAAAAAAA4D8CAAAAjAAAAAAAAAAAAAAARHLEDP///wgAAAAAAAAAAAAAAAAAAAAAAAAAAAAAAAAAAAAAZAAAAAEAAABAAAAAAAAAAAAAAAAAAAAAAAAAAAAAAAAAAAAAAAAAAAAAAAAAAAAAAAAAAAAAAAAAAAAAAAAAAAAAAAAAAAAAAAAAAAAAAAAAAAAAAAAAAAAAAAAAAAAAFAAAADwAAAAAAAAAAAAAAAAAAAkUAAAAAQAAABQAAAAUAAAAFAAAAAEAAAAAAAAAZAAAAGQAAAAAAAAAZAAAAGQAAAAVAAAAYAAAAAAAAAAAAAAADwAAACADAAAAAAAAAAAAAAEAAACgMgAAVgcAAKr4//8BAAAAf39/AAEAAABkAAAAAAAAABQAAABAHwAAAAAAACYAAAAAAAAAwOD//wAAAAAmAAAAZAAAABYAAABMAAAAAAAAAAAAAAAEAAAAAAAAAAEAAADn5uYKAAAAACgAAAAoAAAAZAAAAGQAAAAAAAAAzMzMAAAAAABQAAAAUAAAAGQAAABkAAAAAAAAABcAAAAUAAAAAAAAAAAAAAD/fwAA/38AAAAAAAAJAAAABAAAAAAAAAAeAAAAaAAAAAAAAAAAAAAAAAAAAAAAAAAAAAAAECcAABAnAAAAAAAAAAAAAAAAAAAAAAAAAAAAAAAAAAAAAAAAAAAAABQAAAAAAAAAwMD/AAAAAABkAAAAMgAAAAAAAABkAAAAAAAAAH9/fwAKAAAAIgAAABgAAAAAAAAAAAAAAAAAAAAAAAAAAAAAAAAAAAAkAAAAJAAAAAAAAAAHAAAAAAAAAAAAAAAAAAAAAAAAAAAAAAAAAAAAf39/ACUAAABYAAAAAAAAAAAAAAAAAAAAAAAAAAAAAAAAAAAAAAAAAAAAAAAAAAAAAAAAAAAAAAA/AAAAAAAAAKCGAQAAAAAAAAAAAAAAAAAMAAAAAQAAAAAAAAAAAAAAAAAAAB8AAABUAAAAAAAABQAAAAEAAAAAAAAAAAAAAAAAAAAAAAAAAAAAAAAAAAAAAAAAAAAAAAJ/f38AAAAAA8zMzADAwP8Af39/AAAAAAAAAAAAAAAAAAAAAAAAAAAAIQAAABgAAAAUAAAAwAMAAN8JAAA/RwAAViIAABAAAAAmAAAACAAAADwgAAAAAAAA"/>
               </a:ext>
             </a:extLst>
           </p:cNvSpPr>
@@ -2759,7 +2767,7 @@
 </file>
 
 <file path=ppt/slideLayouts/slideLayout28.xml><?xml version="1.0" encoding="utf-8"?>
-<p:sldLayout xmlns:p="http://schemas.openxmlformats.org/presentationml/2006/main" xmlns:mc="http://schemas.openxmlformats.org/markup-compatibility/2006" xmlns:p14="http://schemas.microsoft.com/office/powerpoint/2010/main" xmlns:p15="http://schemas.microsoft.com/office/powerpoint/2012/main" xmlns:r="http://schemas.openxmlformats.org/officeDocument/2006/relationships" xmlns:a="http://schemas.openxmlformats.org/drawingml/2006/main" type="twoObj" preserve="1">
+<p:sldLayout xmlns:a="http://schemas.openxmlformats.org/drawingml/2006/main" xmlns:r="http://schemas.openxmlformats.org/officeDocument/2006/relationships" xmlns:p="http://schemas.openxmlformats.org/presentationml/2006/main" type="twoObj" preserve="1">
   <p:cSld name="Title, 2 Content">
     <p:spTree>
       <p:nvGrpSpPr>
@@ -2782,7 +2790,7 @@
             <a:spLocks noGrp="1" noChangeArrowheads="1"/>
             <a:extLst>
               <a:ext uri="smNativeData">
-                <pr:smNativeData xmlns:pr="smNativeData" xmlns="smNativeData" val="SMDATA_15_q5OGZBMAAAAlAAAAZAAAAA0AAAAAAAAAAAAAAAAAAAAAAAAAAAAAAAABAAAAAAAAAAEAAABQAAAAAAAAAAAA4D8AAAAAAADgPwAAAAAAAOA/AAAAAAAA4D8AAAAAAADgPwAAAAAAAOA/AAAAAAAA4D8AAAAAAADgPwAAAAAAAOA/AAAAAAAA4D8CAAAAjAAAAAAAAAAAAAAARHLEDP///wgAAAAAAAAAAAAAAAAAAAAAAAAAAAAAAAAAAAAAZAAAAAEAAABAAAAAAAAAAAAAAAAAAAAAAAAAAAAAAAAAAAAAAAAAAAAAAAAAAAAAAAAAAAAAAAAAAAAAAAAAAAAAAAAAAAAAAAAAAAAAAAAAAAAAAAAAAAAAAAAAAAAAFAAAADwAAAAAAAAAAAAAAAAAAAkUAAAAAQAAABQAAAAUAAAAFAAAAAEAAAAAAAAAZAAAAGQAAAAAAAAAZAAAAGQAAAAVAAAAYAAAAAAAAAAAAAAADwAAACADAAAAAAAAAAAAAAEAAACgMgAAVgcAAKr4//8BAAAAf39/AAEAAABkAAAAAAAAABQAAABAHwAAAAAAACYAAAAAAAAAwOD//wAAAAAmAAAAZAAAABYAAABMAAAAAAAAAAAAAAAEAAAAAAAAAAEAAADn5uYKAAAAACgAAAAoAAAAZAAAAGQAAAAAAAAAzMzMAAAAAABQAAAAUAAAAGQAAABkAAAAAAAAABcAAAAUAAAAAAAAAAAAAAD/fwAA/38AAAAAAAAJAAAABAAAAAAAAAAeAAAAaAAAAAAAAAAAAAAAAAAAAAAAAAAAAAAAECcAABAnAAAAAAAAAAAAAAAAAAAAAAAAAAAAAAAAAAAAAAAAAAAAABQAAAAAAAAAwMD/AAAAAABkAAAAMgAAAAAAAABkAAAAAAAAAH9/fwAKAAAAIgAAABgAAAAAAAAAAAAAAAAAAAAAAAAAAAAAAAAAAAAkAAAAJAAAAAAAAAAHAAAAAAAAAAAAAAAAAAAAAAAAAAAAAAAAAAAAf39/ACUAAABYAAAAAAAAAAAAAAAAAAAAAAAAAAAAAAAAAAAAAAAAAAAAAAAAAAAAAAAAAAAAAAA/AAAAAAAAAKCGAQAAAAAAAAAAAAAAAAAMAAAAAQAAAAAAAAAAAAAAAAAAAB8AAABUAAAAAAAABQAAAAEAAAAAAAAAAAAAAAAAAAAAAAAAAAAAAAAAAAAAAAAAAAAAAAJ/f38AAAAAA8zMzADAwP8Af39/AAAAAAAAAAAAAAAAAAAAAAAAAAAAIQAAABgAAAAUAAAAwAMAAK8BAAA/RwAAuggAABAAAAAmAAAACAAAADwgAAAAAAAA"/>
+                <pr:smNativeData xmlns="smNativeData" xmlns:pr="smNativeData" xmlns:p15="http://schemas.microsoft.com/office/powerpoint/2012/main" xmlns:p14="http://schemas.microsoft.com/office/powerpoint/2010/main" xmlns:mc="http://schemas.openxmlformats.org/markup-compatibility/2006" val="SMDATA_15_q5OGZBMAAAAlAAAAZAAAAA0AAAAAAAAAAAAAAAAAAAAAAAAAAAAAAAABAAAAAAAAAAEAAABQAAAAAAAAAAAA4D8AAAAAAADgPwAAAAAAAOA/AAAAAAAA4D8AAAAAAADgPwAAAAAAAOA/AAAAAAAA4D8AAAAAAADgPwAAAAAAAOA/AAAAAAAA4D8CAAAAjAAAAAAAAAAAAAAARHLEDP///wgAAAAAAAAAAAAAAAAAAAAAAAAAAAAAAAAAAAAAZAAAAAEAAABAAAAAAAAAAAAAAAAAAAAAAAAAAAAAAAAAAAAAAAAAAAAAAAAAAAAAAAAAAAAAAAAAAAAAAAAAAAAAAAAAAAAAAAAAAAAAAAAAAAAAAAAAAAAAAAAAAAAAFAAAADwAAAAAAAAAAAAAAAAAAAkUAAAAAQAAABQAAAAUAAAAFAAAAAEAAAAAAAAAZAAAAGQAAAAAAAAAZAAAAGQAAAAVAAAAYAAAAAAAAAAAAAAADwAAACADAAAAAAAAAAAAAAEAAACgMgAAVgcAAKr4//8BAAAAf39/AAEAAABkAAAAAAAAABQAAABAHwAAAAAAACYAAAAAAAAAwOD//wAAAAAmAAAAZAAAABYAAABMAAAAAAAAAAAAAAAEAAAAAAAAAAEAAADn5uYKAAAAACgAAAAoAAAAZAAAAGQAAAAAAAAAzMzMAAAAAABQAAAAUAAAAGQAAABkAAAAAAAAABcAAAAUAAAAAAAAAAAAAAD/fwAA/38AAAAAAAAJAAAABAAAAAAAAAAeAAAAaAAAAAAAAAAAAAAAAAAAAAAAAAAAAAAAECcAABAnAAAAAAAAAAAAAAAAAAAAAAAAAAAAAAAAAAAAAAAAAAAAABQAAAAAAAAAwMD/AAAAAABkAAAAMgAAAAAAAABkAAAAAAAAAH9/fwAKAAAAIgAAABgAAAAAAAAAAAAAAAAAAAAAAAAAAAAAAAAAAAAkAAAAJAAAAAAAAAAHAAAAAAAAAAAAAAAAAAAAAAAAAAAAAAAAAAAAf39/ACUAAABYAAAAAAAAAAAAAAAAAAAAAAAAAAAAAAAAAAAAAAAAAAAAAAAAAAAAAAAAAAAAAAA/AAAAAAAAAKCGAQAAAAAAAAAAAAAAAAAMAAAAAQAAAAAAAAAAAAAAAAAAAB8AAABUAAAAAAAABQAAAAEAAAAAAAAAAAAAAAAAAAAAAAAAAAAAAAAAAAAAAAAAAAAAAAJ/f38AAAAAA8zMzADAwP8Af39/AAAAAAAAAAAAAAAAAAAAAAAAAAAAIQAAABgAAAAUAAAAwAMAAK8BAAA/RwAAuggAABAAAAAmAAAACAAAADwgAAAAAAAA"/>
               </a:ext>
             </a:extLst>
           </p:cNvSpPr>
@@ -2813,7 +2821,7 @@
             <a:spLocks noGrp="1" noChangeArrowheads="1"/>
             <a:extLst>
               <a:ext uri="smNativeData">
-                <pr:smNativeData xmlns:pr="smNativeData" xmlns="smNativeData" val="SMDATA_15_q5OGZBMAAAAlAAAAZAAAAA0AAAAAAAAAAAAAAAAAAAAAAAAAAAAAAAAAAAAAAAAAAAEAAABQAAAAAAAAAAAA4D8AAAAAAADgPwAAAAAAAOA/AAAAAAAA4D8AAAAAAADgPwAAAAAAAOA/AAAAAAAA4D8AAAAAAADgPwAAAAAAAOA/AAAAAAAA4D8CAAAAjAAAAAAAAAAAAAAARHLEDP///wgAAAAAAAAAAAAAAAAAAAAAAAAAAAAAAAAAAAAAZAAAAAEAAABAAAAAAAAAAAAAAAAAAAAAAAAAAAAAAAAAAAAAAAAAAAAAAAAAAAAAAAAAAAAAAAAAAAAAAAAAAAAAAAAAAAAAAAAAAAAAAAAAAAAAAAAAAAAAAAAAAAAAFAAAADwAAAAAAAAAAAAAAAAAAAkUAAAAAQAAABQAAAAUAAAAFAAAAAEAAAAAAAAAZAAAAGQAAAAAAAAAZAAAAGQAAAAVAAAAYAAAAAAAAAAAAAAADwAAACADAAAAAAAAAAAAAAEAAACgMgAAVgcAAKr4//8BAAAAf39/AAEAAABkAAAAAAAAABQAAABAHwAAAAAAACYAAAAAAAAAwOD//wAAAAAmAAAAZAAAABYAAABMAAAAAAAAAAAAAAAEAAAAAAAAAAEAAADn5uYKAAAAACgAAAAoAAAAZAAAAGQAAAAAAAAAzMzMAAAAAABQAAAAUAAAAGQAAABkAAAAAAAAABcAAAAUAAAAAAAAAAAAAAD/fwAA/38AAAAAAAAJAAAABAAAAAAAAAAeAAAAaAAAAAAAAAAAAAAAAAAAAAAAAAAAAAAAECcAABAnAAAAAAAAAAAAAAAAAAAAAAAAAAAAAAAAAAAAAAAAAAAAABQAAAAAAAAAwMD/AAAAAABkAAAAMgAAAAAAAABkAAAAAAAAAH9/fwAKAAAAIgAAABgAAAAAAAAAAAAAAAAAAAAAAAAAAAAAAAAAAAAkAAAAJAAAAAAAAAAHAAAAAAAAAAAAAAAAAAAAAAAAAAAAAAAAAAAAf39/ACUAAABYAAAAAAAAAAAAAAAAAAAAAAAAAAAAAAAAAAAAAAAAAAAAAAAAAAAAAAAAAAAAAAA/AAAAAAAAAKCGAQAAAAAAAAAAAAAAAAAMAAAAAQAAAAAAAAAAAAAAAAAAAB8AAABUAAAAAAAABQAAAAEAAAAAAAAAAAAAAAAAAAAAAAAAAAAAAAAAAAAAAAAAAAAAAAJ/f38AAAAAA8zMzADAwP8Af39/AAAAAAAAAAAAAAAAAAAAAAAAAAAAIQAAABgAAAAUAAAAwAMAAN8JAACwJAAAViIAABAAAAAmAAAACAAAAD0gAAAAAAAA"/>
+                <pr:smNativeData xmlns="smNativeData" xmlns:pr="smNativeData" xmlns:p15="http://schemas.microsoft.com/office/powerpoint/2012/main" xmlns:p14="http://schemas.microsoft.com/office/powerpoint/2010/main" xmlns:mc="http://schemas.openxmlformats.org/markup-compatibility/2006" val="SMDATA_15_q5OGZBMAAAAlAAAAZAAAAA0AAAAAAAAAAAAAAAAAAAAAAAAAAAAAAAAAAAAAAAAAAAEAAABQAAAAAAAAAAAA4D8AAAAAAADgPwAAAAAAAOA/AAAAAAAA4D8AAAAAAADgPwAAAAAAAOA/AAAAAAAA4D8AAAAAAADgPwAAAAAAAOA/AAAAAAAA4D8CAAAAjAAAAAAAAAAAAAAARHLEDP///wgAAAAAAAAAAAAAAAAAAAAAAAAAAAAAAAAAAAAAZAAAAAEAAABAAAAAAAAAAAAAAAAAAAAAAAAAAAAAAAAAAAAAAAAAAAAAAAAAAAAAAAAAAAAAAAAAAAAAAAAAAAAAAAAAAAAAAAAAAAAAAAAAAAAAAAAAAAAAAAAAAAAAFAAAADwAAAAAAAAAAAAAAAAAAAkUAAAAAQAAABQAAAAUAAAAFAAAAAEAAAAAAAAAZAAAAGQAAAAAAAAAZAAAAGQAAAAVAAAAYAAAAAAAAAAAAAAADwAAACADAAAAAAAAAAAAAAEAAACgMgAAVgcAAKr4//8BAAAAf39/AAEAAABkAAAAAAAAABQAAABAHwAAAAAAACYAAAAAAAAAwOD//wAAAAAmAAAAZAAAABYAAABMAAAAAAAAAAAAAAAEAAAAAAAAAAEAAADn5uYKAAAAACgAAAAoAAAAZAAAAGQAAAAAAAAAzMzMAAAAAABQAAAAUAAAAGQAAABkAAAAAAAAABcAAAAUAAAAAAAAAAAAAAD/fwAA/38AAAAAAAAJAAAABAAAAAAAAAAeAAAAaAAAAAAAAAAAAAAAAAAAAAAAAAAAAAAAECcAABAnAAAAAAAAAAAAAAAAAAAAAAAAAAAAAAAAAAAAAAAAAAAAABQAAAAAAAAAwMD/AAAAAABkAAAAMgAAAAAAAABkAAAAAAAAAH9/fwAKAAAAIgAAABgAAAAAAAAAAAAAAAAAAAAAAAAAAAAAAAAAAAAkAAAAJAAAAAAAAAAHAAAAAAAAAAAAAAAAAAAAAAAAAAAAAAAAAAAAf39/ACUAAABYAAAAAAAAAAAAAAAAAAAAAAAAAAAAAAAAAAAAAAAAAAAAAAAAAAAAAAAAAAAAAAA/AAAAAAAAAKCGAQAAAAAAAAAAAAAAAAAMAAAAAQAAAAAAAAAAAAAAAAAAAB8AAABUAAAAAAAABQAAAAEAAAAAAAAAAAAAAAAAAAAAAAAAAAAAAAAAAAAAAAAAAAAAAAJ/f38AAAAAA8zMzADAwP8Af39/AAAAAAAAAAAAAAAAAAAAAAAAAAAAIQAAABgAAAAUAAAAwAMAAN8JAACwJAAAViIAABAAAAAmAAAACAAAAD0gAAAAAAAA"/>
               </a:ext>
             </a:extLst>
           </p:cNvSpPr>
@@ -2849,7 +2857,7 @@
             <a:spLocks noGrp="1" noChangeArrowheads="1"/>
             <a:extLst>
               <a:ext uri="smNativeData">
-                <pr:smNativeData xmlns:pr="smNativeData" xmlns="smNativeData" val="SMDATA_15_q5OGZBMAAAAlAAAAZAAAAA0AAAAAAAAAAAAAAAAAAAAAAAAAAAAAAAAAAAAAAAAAAAEAAABQAAAAAAAAAAAA4D8AAAAAAADgPwAAAAAAAOA/AAAAAAAA4D8AAAAAAADgPwAAAAAAAOA/AAAAAAAA4D8AAAAAAADgPwAAAAAAAOA/AAAAAAAA4D8CAAAAjAAAAAAAAAAAAAAARHLEDP///wgAAAAAAAAAAAAAAAAAAAAAAAAAAAAAAAAAAAAAZAAAAAEAAABAAAAAAAAAAAAAAAAAAAAAAAAAAAAAAAAAAAAAAAAAAAAAAAAAAAAAAAAAAAAAAAAAAAAAAAAAAAAAAAAAAAAAAAAAAAAAAAAAAAAAAAAAAAAAAAAAAAAAFAAAADwAAAAAAAAAAAAAAAAAAAkUAAAAAQAAABQAAAAUAAAAFAAAAAEAAAAAAAAAZAAAAGQAAAAAAAAAZAAAAGQAAAAVAAAAYAAAAAAAAAAAAAAADwAAACADAAAAAAAAAAAAAAEAAACgMgAAVgcAAKr4//8BAAAAf39/AAEAAABkAAAAAAAAABQAAABAHwAAAAAAACYAAAAAAAAAwOD//wAAAAAmAAAAZAAAABYAAABMAAAAAAAAAAAAAAAEAAAAAAAAAAEAAADn5uYKAAAAACgAAAAoAAAAZAAAAGQAAAAAAAAAzMzMAAAAAABQAAAAUAAAAGQAAABkAAAAAAAAABcAAAAUAAAAAAAAAAAAAAD/fwAA/38AAAAAAAAJAAAABAAAACyocwAeAAAAaAAAAAAAAAAAAAAAAAAAAAAAAAAAAAAAECcAABAnAAAAAAAAAAAAAAAAAAAAAAAAAAAAAAAAAAAAAAAAAAAAABQAAAAAAAAAwMD/AAAAAABkAAAAMgAAAAAAAABkAAAAAAAAAH9/fwAKAAAAIgAAABgAAAAAAAAAAAAAAAAAAAAAAAAAAAAAAAAAAAAkAAAAJAAAAAAAAAAHAAAAAAAAAAAAAAAAAAAAAAAAAAAAAAAAAAAAf39/ACUAAABYAAAAAAAAAAAAAAAAAAAAAAAAAAAAAAAAAAAAAAAAAAAAAAAAAAAAAAAAAAAAAAA/AAAAAAAAAKCGAQAAAAAAAAAAAAAAAAAMAAAAAQAAAAAAAAAAAAAAAAAAAB8AAABUAAAAAAAABQAAAAEAAAAAAAAAAAAAAAAAAAAAAAAAAAAAAAAAAAAAAAAAAAAAAAJ/f38AAAAAA8zMzADAwP8Af39/AAAAAAAAAAAAAAAAAAAAAAAAAAAAIQAAABgAAAAUAAAAViYAAN8JAABGRwAAViIAABAAAAAmAAAACAAAAD0gAAAAAAAA"/>
+                <pr:smNativeData xmlns="smNativeData" xmlns:pr="smNativeData" xmlns:p15="http://schemas.microsoft.com/office/powerpoint/2012/main" xmlns:p14="http://schemas.microsoft.com/office/powerpoint/2010/main" xmlns:mc="http://schemas.openxmlformats.org/markup-compatibility/2006" val="SMDATA_15_q5OGZBMAAAAlAAAAZAAAAA0AAAAAAAAAAAAAAAAAAAAAAAAAAAAAAAAAAAAAAAAAAAEAAABQAAAAAAAAAAAA4D8AAAAAAADgPwAAAAAAAOA/AAAAAAAA4D8AAAAAAADgPwAAAAAAAOA/AAAAAAAA4D8AAAAAAADgPwAAAAAAAOA/AAAAAAAA4D8CAAAAjAAAAAAAAAAAAAAARHLEDP///wgAAAAAAAAAAAAAAAAAAAAAAAAAAAAAAAAAAAAAZAAAAAEAAABAAAAAAAAAAAAAAAAAAAAAAAAAAAAAAAAAAAAAAAAAAAAAAAAAAAAAAAAAAAAAAAAAAAAAAAAAAAAAAAAAAAAAAAAAAAAAAAAAAAAAAAAAAAAAAAAAAAAAFAAAADwAAAAAAAAAAAAAAAAAAAkUAAAAAQAAABQAAAAUAAAAFAAAAAEAAAAAAAAAZAAAAGQAAAAAAAAAZAAAAGQAAAAVAAAAYAAAAAAAAAAAAAAADwAAACADAAAAAAAAAAAAAAEAAACgMgAAVgcAAKr4//8BAAAAf39/AAEAAABkAAAAAAAAABQAAABAHwAAAAAAACYAAAAAAAAAwOD//wAAAAAmAAAAZAAAABYAAABMAAAAAAAAAAAAAAAEAAAAAAAAAAEAAADn5uYKAAAAACgAAAAoAAAAZAAAAGQAAAAAAAAAzMzMAAAAAABQAAAAUAAAAGQAAABkAAAAAAAAABcAAAAUAAAAAAAAAAAAAAD/fwAA/38AAAAAAAAJAAAABAAAACyocwAeAAAAaAAAAAAAAAAAAAAAAAAAAAAAAAAAAAAAECcAABAnAAAAAAAAAAAAAAAAAAAAAAAAAAAAAAAAAAAAAAAAAAAAABQAAAAAAAAAwMD/AAAAAABkAAAAMgAAAAAAAABkAAAAAAAAAH9/fwAKAAAAIgAAABgAAAAAAAAAAAAAAAAAAAAAAAAAAAAAAAAAAAAkAAAAJAAAAAAAAAAHAAAAAAAAAAAAAAAAAAAAAAAAAAAAAAAAAAAAf39/ACUAAABYAAAAAAAAAAAAAAAAAAAAAAAAAAAAAAAAAAAAAAAAAAAAAAAAAAAAAAAAAAAAAAA/AAAAAAAAAKCGAQAAAAAAAAAAAAAAAAAMAAAAAQAAAAAAAAAAAAAAAAAAAB8AAABUAAAAAAAABQAAAAEAAAAAAAAAAAAAAAAAAAAAAAAAAAAAAAAAAAAAAAAAAAAAAAJ/f38AAAAAA8zMzADAwP8Af39/AAAAAAAAAAAAAAAAAAAAAAAAAAAAIQAAABgAAAAUAAAAViYAAN8JAABGRwAAViIAABAAAAAmAAAACAAAAD0gAAAAAAAA"/>
               </a:ext>
             </a:extLst>
           </p:cNvSpPr>
@@ -2887,7 +2895,7 @@
 </file>
 
 <file path=ppt/slideLayouts/slideLayout29.xml><?xml version="1.0" encoding="utf-8"?>
-<p:sldLayout xmlns:p="http://schemas.openxmlformats.org/presentationml/2006/main" xmlns:mc="http://schemas.openxmlformats.org/markup-compatibility/2006" xmlns:p14="http://schemas.microsoft.com/office/powerpoint/2010/main" xmlns:p15="http://schemas.microsoft.com/office/powerpoint/2012/main" xmlns:r="http://schemas.openxmlformats.org/officeDocument/2006/relationships" xmlns:a="http://schemas.openxmlformats.org/drawingml/2006/main" type="titleOnly" preserve="1">
+<p:sldLayout xmlns:a="http://schemas.openxmlformats.org/drawingml/2006/main" xmlns:r="http://schemas.openxmlformats.org/officeDocument/2006/relationships" xmlns:p="http://schemas.openxmlformats.org/presentationml/2006/main" type="titleOnly" preserve="1">
   <p:cSld name="Title Only">
     <p:spTree>
       <p:nvGrpSpPr>
@@ -2910,7 +2918,7 @@
             <a:spLocks noGrp="1" noChangeArrowheads="1"/>
             <a:extLst>
               <a:ext uri="smNativeData">
-                <pr:smNativeData xmlns:pr="smNativeData" xmlns="smNativeData" val="SMDATA_15_q5OGZBMAAAAlAAAAZAAAAA0AAAAAAAAAAAAAAAAAAAAAAAAAAAAAAAABAAAAAAAAAAEAAABQAAAAAAAAAAAA4D8AAAAAAADgPwAAAAAAAOA/AAAAAAAA4D8AAAAAAADgPwAAAAAAAOA/AAAAAAAA4D8AAAAAAADgPwAAAAAAAOA/AAAAAAAA4D8CAAAAjAAAAAAAAAAAAAAARHLEDP///wgAAAAAAAAAAAAAAAAAAAAAAAAAAAAAAAAAAAAAZAAAAAEAAABAAAAAAAAAAAAAAAAAAAAAAAAAAAAAAAAAAAAAAAAAAAAAAAAAAAAAAAAAAAAAAAAAAAAAAAAAAAAAAAAAAAAAAAAAAAAAAAAAAAAAAAAAAAAAAAAAAAAAFAAAADwAAAAAAAAAAAAAAAAAAAkUAAAAAQAAABQAAAAUAAAAFAAAAAEAAAAAAAAAZAAAAGQAAAAAAAAAZAAAAGQAAAAVAAAAYAAAAAAAAAAAAAAADwAAACADAAAAAAAAAAAAAAEAAACgMgAAVgcAAKr4//8BAAAAf39/AAEAAABkAAAAAAAAABQAAABAHwAAAAAAACYAAAAAAAAAwOD//wAAAAAmAAAAZAAAABYAAABMAAAAAAAAAAAAAAAEAAAAAAAAAAEAAADn5uYKAAAAACgAAAAoAAAAZAAAAGQAAAAAAAAAzMzMAAAAAABQAAAAUAAAAGQAAABkAAAAAAAAABcAAAAUAAAAAAAAAAAAAAD/fwAA/38AAAAAAAAJAAAABAAAAAAAAAAeAAAAaAAAAAAAAAAAAAAAAAAAAAAAAAAAAAAAECcAABAnAAAAAAAAAAAAAAAAAAAAAAAAAAAAAAAAAAAAAAAAAAAAABQAAAAAAAAAwMD/AAAAAABkAAAAMgAAAAAAAABkAAAAAAAAAH9/fwAKAAAAIgAAABgAAAAAAAAAAAAAAAAAAAAAAAAAAAAAAAAAAAAkAAAAJAAAAAAAAAAHAAAAAAAAAAAAAAAAAAAAAAAAAAAAAAAAAAAAf39/ACUAAABYAAAAAAAAAAAAAAAAAAAAAAAAAAAAAAAAAAAAAAAAAAAAAAAAAAAAAAAAAAAAAAA/AAAAAAAAAKCGAQAAAAAAAAAAAAAAAAAMAAAAAQAAAAAAAAAAAAAAAAAAAB8AAABUAAAAAAAABQAAAAEAAAAAAAAAAAAAAAAAAAAAAAAAAAAAAAAAAAAAAAAAAAAAAAJ/f38AAAAAA8zMzADAwP8Af39/AAAAAAAAAAAAAAAAAAAAAAAAAAAAIQAAABgAAAAUAAAAwAMAAK8BAAA/RwAAuggAABAAAAAmAAAACAAAADwgAAAAAAAA"/>
+                <pr:smNativeData xmlns="smNativeData" xmlns:pr="smNativeData" xmlns:p15="http://schemas.microsoft.com/office/powerpoint/2012/main" xmlns:p14="http://schemas.microsoft.com/office/powerpoint/2010/main" xmlns:mc="http://schemas.openxmlformats.org/markup-compatibility/2006" val="SMDATA_15_q5OGZBMAAAAlAAAAZAAAAA0AAAAAAAAAAAAAAAAAAAAAAAAAAAAAAAABAAAAAAAAAAEAAABQAAAAAAAAAAAA4D8AAAAAAADgPwAAAAAAAOA/AAAAAAAA4D8AAAAAAADgPwAAAAAAAOA/AAAAAAAA4D8AAAAAAADgPwAAAAAAAOA/AAAAAAAA4D8CAAAAjAAAAAAAAAAAAAAARHLEDP///wgAAAAAAAAAAAAAAAAAAAAAAAAAAAAAAAAAAAAAZAAAAAEAAABAAAAAAAAAAAAAAAAAAAAAAAAAAAAAAAAAAAAAAAAAAAAAAAAAAAAAAAAAAAAAAAAAAAAAAAAAAAAAAAAAAAAAAAAAAAAAAAAAAAAAAAAAAAAAAAAAAAAAFAAAADwAAAAAAAAAAAAAAAAAAAkUAAAAAQAAABQAAAAUAAAAFAAAAAEAAAAAAAAAZAAAAGQAAAAAAAAAZAAAAGQAAAAVAAAAYAAAAAAAAAAAAAAADwAAACADAAAAAAAAAAAAAAEAAACgMgAAVgcAAKr4//8BAAAAf39/AAEAAABkAAAAAAAAABQAAABAHwAAAAAAACYAAAAAAAAAwOD//wAAAAAmAAAAZAAAABYAAABMAAAAAAAAAAAAAAAEAAAAAAAAAAEAAADn5uYKAAAAACgAAAAoAAAAZAAAAGQAAAAAAAAAzMzMAAAAAABQAAAAUAAAAGQAAABkAAAAAAAAABcAAAAUAAAAAAAAAAAAAAD/fwAA/38AAAAAAAAJAAAABAAAAAAAAAAeAAAAaAAAAAAAAAAAAAAAAAAAAAAAAAAAAAAAECcAABAnAAAAAAAAAAAAAAAAAAAAAAAAAAAAAAAAAAAAAAAAAAAAABQAAAAAAAAAwMD/AAAAAABkAAAAMgAAAAAAAABkAAAAAAAAAH9/fwAKAAAAIgAAABgAAAAAAAAAAAAAAAAAAAAAAAAAAAAAAAAAAAAkAAAAJAAAAAAAAAAHAAAAAAAAAAAAAAAAAAAAAAAAAAAAAAAAAAAAf39/ACUAAABYAAAAAAAAAAAAAAAAAAAAAAAAAAAAAAAAAAAAAAAAAAAAAAAAAAAAAAAAAAAAAAA/AAAAAAAAAKCGAQAAAAAAAAAAAAAAAAAMAAAAAQAAAAAAAAAAAAAAAAAAAB8AAABUAAAAAAAABQAAAAEAAAAAAAAAAAAAAAAAAAAAAAAAAAAAAAAAAAAAAAAAAAAAAAJ/f38AAAAAA8zMzADAwP8Af39/AAAAAAAAAAAAAAAAAAAAAAAAAAAAIQAAABgAAAAUAAAAwAMAAK8BAAA/RwAAuggAABAAAAAmAAAACAAAADwgAAAAAAAA"/>
               </a:ext>
             </a:extLst>
           </p:cNvSpPr>
@@ -2943,7 +2951,7 @@
 </file>
 
 <file path=ppt/slideLayouts/slideLayout3.xml><?xml version="1.0" encoding="utf-8"?>
-<p:sldLayout xmlns:p="http://schemas.openxmlformats.org/presentationml/2006/main" xmlns:mc="http://schemas.openxmlformats.org/markup-compatibility/2006" xmlns:p14="http://schemas.microsoft.com/office/powerpoint/2010/main" xmlns:p15="http://schemas.microsoft.com/office/powerpoint/2012/main" xmlns:r="http://schemas.openxmlformats.org/officeDocument/2006/relationships" xmlns:a="http://schemas.openxmlformats.org/drawingml/2006/main" type="obj" preserve="1">
+<p:sldLayout xmlns:a="http://schemas.openxmlformats.org/drawingml/2006/main" xmlns:r="http://schemas.openxmlformats.org/officeDocument/2006/relationships" xmlns:p="http://schemas.openxmlformats.org/presentationml/2006/main" type="obj" preserve="1">
   <p:cSld name="Title, Content">
     <p:spTree>
       <p:nvGrpSpPr>
@@ -2966,7 +2974,7 @@
             <a:spLocks noGrp="1" noChangeArrowheads="1"/>
             <a:extLst>
               <a:ext uri="smNativeData">
-                <pr:smNativeData xmlns:pr="smNativeData" xmlns="smNativeData" val="SMDATA_15_q5OGZBMAAAAlAAAAZAAAAA0AAAAAAAAAAAAAAAAAAAAAAAAAAAAAAAABAAAAAAAAAAEAAABQAAAAAAAAAAAA4D8AAAAAAADgPwAAAAAAAOA/AAAAAAAA4D8AAAAAAADgPwAAAAAAAOA/AAAAAAAA4D8AAAAAAADgPwAAAAAAAOA/AAAAAAAA4D8CAAAAjAAAAAAAAAAAAAAARHLEDP///wgAAAAAAAAAAAAAAAAAAAAAAAAAAAAAAAAAAAAAZAAAAAEAAABAAAAAAAAAAAAAAAAAAAAAAAAAAAAAAAAAAAAAAAAAAAAAAAAAAAAAAAAAAAAAAAAAAAAAAAAAAAAAAAAAAAAAAAAAAAAAAAAAAAAAAAAAAAAAAAAAAAAAFAAAADwAAAAAAAAAAAAAAAAAAAkUAAAAAQAAABQAAAAUAAAAFAAAAAEAAAAAAAAAZAAAAGQAAAAAAAAAZAAAAGQAAAAVAAAAYAAAAAAAAAAAAAAADwAAACADAAAAAAAAAAAAAAEAAACgMgAAVgcAAKr4//8BAAAAf39/AAEAAABkAAAAAAAAABQAAABAHwAAAAAAACYAAAAAAAAAwOD//wAAAAAmAAAAZAAAABYAAABMAAAAAAAAAAAAAAAEAAAAAAAAAAEAAADn5uYKAAAAACgAAAAoAAAAZAAAAGQAAAAAAAAAzMzMAAAAAABQAAAAUAAAAGQAAABkAAAAAAAAABcAAAAUAAAAAAAAAAAAAAD/fwAA/38AAAAAAAAJAAAABAAAAAAAAAAeAAAAaAAAAAAAAAAAAAAAAAAAAAAAAAAAAAAAECcAABAnAAAAAAAAAAAAAAAAAAAAAAAAAAAAAAAAAAAAAAAAAAAAABQAAAAAAAAAwMD/AAAAAABkAAAAMgAAAAAAAABkAAAAAAAAAH9/fwAKAAAAIgAAABgAAAAAAAAAAAAAAAAAAAAAAAAAAAAAAAAAAAAkAAAAJAAAAAAAAAAHAAAAAAAAAAAAAAAAAAAAAAAAAAAAAAAAAAAAf39/ACUAAABYAAAAAAAAAAAAAAAAAAAAAAAAAAAAAAAAAAAAAAAAAAAAAAAAAAAAAAAAAAAAAAA/AAAAAAAAAKCGAQAAAAAAAAAAAAAAAAAMAAAAAQAAAAAAAAAAAAAAAAAAAB8AAABUAAAAAAAABQAAAAEAAAAAAAAAAAAAAAAAAAAAAAAAAAAAAAAAAAAAAAAAAAAAAAJ/f38AAAAAA8zMzADAwP8Af39/AAAAAAAAAAAAAAAAAAAAAAAAAAAAIQAAABgAAAAUAAAAwAMAAK8BAAA/RwAAuggAABAAAAAmAAAACAAAAD0gAAAAAAAA"/>
+                <pr:smNativeData xmlns="smNativeData" xmlns:pr="smNativeData" xmlns:p15="http://schemas.microsoft.com/office/powerpoint/2012/main" xmlns:p14="http://schemas.microsoft.com/office/powerpoint/2010/main" xmlns:mc="http://schemas.openxmlformats.org/markup-compatibility/2006" val="SMDATA_15_q5OGZBMAAAAlAAAAZAAAAA0AAAAAAAAAAAAAAAAAAAAAAAAAAAAAAAABAAAAAAAAAAEAAABQAAAAAAAAAAAA4D8AAAAAAADgPwAAAAAAAOA/AAAAAAAA4D8AAAAAAADgPwAAAAAAAOA/AAAAAAAA4D8AAAAAAADgPwAAAAAAAOA/AAAAAAAA4D8CAAAAjAAAAAAAAAAAAAAARHLEDP///wgAAAAAAAAAAAAAAAAAAAAAAAAAAAAAAAAAAAAAZAAAAAEAAABAAAAAAAAAAAAAAAAAAAAAAAAAAAAAAAAAAAAAAAAAAAAAAAAAAAAAAAAAAAAAAAAAAAAAAAAAAAAAAAAAAAAAAAAAAAAAAAAAAAAAAAAAAAAAAAAAAAAAFAAAADwAAAAAAAAAAAAAAAAAAAkUAAAAAQAAABQAAAAUAAAAFAAAAAEAAAAAAAAAZAAAAGQAAAAAAAAAZAAAAGQAAAAVAAAAYAAAAAAAAAAAAAAADwAAACADAAAAAAAAAAAAAAEAAACgMgAAVgcAAKr4//8BAAAAf39/AAEAAABkAAAAAAAAABQAAABAHwAAAAAAACYAAAAAAAAAwOD//wAAAAAmAAAAZAAAABYAAABMAAAAAAAAAAAAAAAEAAAAAAAAAAEAAADn5uYKAAAAACgAAAAoAAAAZAAAAGQAAAAAAAAAzMzMAAAAAABQAAAAUAAAAGQAAABkAAAAAAAAABcAAAAUAAAAAAAAAAAAAAD/fwAA/38AAAAAAAAJAAAABAAAAAAAAAAeAAAAaAAAAAAAAAAAAAAAAAAAAAAAAAAAAAAAECcAABAnAAAAAAAAAAAAAAAAAAAAAAAAAAAAAAAAAAAAAAAAAAAAABQAAAAAAAAAwMD/AAAAAABkAAAAMgAAAAAAAABkAAAAAAAAAH9/fwAKAAAAIgAAABgAAAAAAAAAAAAAAAAAAAAAAAAAAAAAAAAAAAAkAAAAJAAAAAAAAAAHAAAAAAAAAAAAAAAAAAAAAAAAAAAAAAAAAAAAf39/ACUAAABYAAAAAAAAAAAAAAAAAAAAAAAAAAAAAAAAAAAAAAAAAAAAAAAAAAAAAAAAAAAAAAA/AAAAAAAAAKCGAQAAAAAAAAAAAAAAAAAMAAAAAQAAAAAAAAAAAAAAAAAAAB8AAABUAAAAAAAABQAAAAEAAAAAAAAAAAAAAAAAAAAAAAAAAAAAAAAAAAAAAAAAAAAAAAJ/f38AAAAAA8zMzADAwP8Af39/AAAAAAAAAAAAAAAAAAAAAAAAAAAAIQAAABgAAAAUAAAAwAMAAK8BAAA/RwAAuggAABAAAAAmAAAACAAAAD0gAAAAAAAA"/>
               </a:ext>
             </a:extLst>
           </p:cNvSpPr>
@@ -3002,7 +3010,7 @@
             <a:spLocks noGrp="1" noChangeArrowheads="1"/>
             <a:extLst>
               <a:ext uri="smNativeData">
-                <pr:smNativeData xmlns:pr="smNativeData" xmlns="smNativeData" val="SMDATA_15_q5OGZBMAAAAlAAAAZAAAAA0AAAAAAAAAAAAAAAAAAAAAAAAAAAAAAAAAAAAAAAAAAAEAAABQAAAAAAAAAAAA4D8AAAAAAADgPwAAAAAAAOA/AAAAAAAA4D8AAAAAAADgPwAAAAAAAOA/AAAAAAAA4D8AAAAAAADgPwAAAAAAAOA/AAAAAAAA4D8CAAAAjAAAAAAAAAAAAAAARHLEDP///wgAAAAAAAAAAAAAAAAAAAAAAAAAAAAAAAAAAAAAZAAAAAEAAABAAAAAAAAAAAAAAAAAAAAAAAAAAAAAAAAAAAAAAAAAAAAAAAAAAAAAAAAAAAAAAAAAAAAAAAAAAAAAAAAAAAAAAAAAAAAAAAAAAAAAAAAAAAAAAAAAAAAAFAAAADwAAAAAAAAAAAAAAAAAAAkUAAAAAQAAABQAAAAUAAAAFAAAAAEAAAAAAAAAZAAAAGQAAAAAAAAAZAAAAGQAAAAVAAAAYAAAAAAAAAAAAAAADwAAACADAAAAAAAAAAAAAAEAAACgMgAAVgcAAKr4//8BAAAAf39/AAEAAABkAAAAAAAAABQAAABAHwAAAAAAACYAAAAAAAAAwOD//wAAAAAmAAAAZAAAABYAAABMAAAAAAAAAAAAAAAEAAAAAAAAAAEAAADn5uYKAAAAACgAAAAoAAAAZAAAAGQAAAAAAAAAzMzMAAAAAABQAAAAUAAAAGQAAABkAAAAAAAAABcAAAAUAAAAAAAAAAAAAAD/fwAA/38AAAAAAAAJAAAABAAAAAAAAAAeAAAAaAAAAAAAAAAAAAAAAAAAAAAAAAAAAAAAECcAABAnAAAAAAAAAAAAAAAAAAAAAAAAAAAAAAAAAAAAAAAAAAAAABQAAAAAAAAAwMD/AAAAAABkAAAAMgAAAAAAAABkAAAAAAAAAH9/fwAKAAAAIgAAABgAAAAAAAAAAAAAAAAAAAAAAAAAAAAAAAAAAAAkAAAAJAAAAAAAAAAHAAAAAAAAAAAAAAAAAAAAAAAAAAAAAAAAAAAAf39/ACUAAABYAAAAAAAAAAAAAAAAAAAAAAAAAAAAAAAAAAAAAAAAAAAAAAAAAAAAAAAAAAAAAAA/AAAAAAAAAKCGAQAAAAAAAAAAAAAAAAAMAAAAAQAAAAAAAAAAAAAAAAAAAB8AAABUAAAAAAAABQAAAAEAAAAAAAAAAAAAAAAAAAAAAAAAAAAAAAAAAAAAAAAAAAAAAAJ/f38AAAAAA8zMzADAwP8Af39/AAAAAAAAAAAAAAAAAAAAAAAAAAAAIQAAABgAAAAUAAAAwAMAAN8JAAA/RwAAViIAABAAAAAmAAAACAAAADwgAAAAAAAA"/>
+                <pr:smNativeData xmlns="smNativeData" xmlns:pr="smNativeData" xmlns:p15="http://schemas.microsoft.com/office/powerpoint/2012/main" xmlns:p14="http://schemas.microsoft.com/office/powerpoint/2010/main" xmlns:mc="http://schemas.openxmlformats.org/markup-compatibility/2006" val="SMDATA_15_q5OGZBMAAAAlAAAAZAAAAA0AAAAAAAAAAAAAAAAAAAAAAAAAAAAAAAAAAAAAAAAAAAEAAABQAAAAAAAAAAAA4D8AAAAAAADgPwAAAAAAAOA/AAAAAAAA4D8AAAAAAADgPwAAAAAAAOA/AAAAAAAA4D8AAAAAAADgPwAAAAAAAOA/AAAAAAAA4D8CAAAAjAAAAAAAAAAAAAAARHLEDP///wgAAAAAAAAAAAAAAAAAAAAAAAAAAAAAAAAAAAAAZAAAAAEAAABAAAAAAAAAAAAAAAAAAAAAAAAAAAAAAAAAAAAAAAAAAAAAAAAAAAAAAAAAAAAAAAAAAAAAAAAAAAAAAAAAAAAAAAAAAAAAAAAAAAAAAAAAAAAAAAAAAAAAFAAAADwAAAAAAAAAAAAAAAAAAAkUAAAAAQAAABQAAAAUAAAAFAAAAAEAAAAAAAAAZAAAAGQAAAAAAAAAZAAAAGQAAAAVAAAAYAAAAAAAAAAAAAAADwAAACADAAAAAAAAAAAAAAEAAACgMgAAVgcAAKr4//8BAAAAf39/AAEAAABkAAAAAAAAABQAAABAHwAAAAAAACYAAAAAAAAAwOD//wAAAAAmAAAAZAAAABYAAABMAAAAAAAAAAAAAAAEAAAAAAAAAAEAAADn5uYKAAAAACgAAAAoAAAAZAAAAGQAAAAAAAAAzMzMAAAAAABQAAAAUAAAAGQAAABkAAAAAAAAABcAAAAUAAAAAAAAAAAAAAD/fwAA/38AAAAAAAAJAAAABAAAAAAAAAAeAAAAaAAAAAAAAAAAAAAAAAAAAAAAAAAAAAAAECcAABAnAAAAAAAAAAAAAAAAAAAAAAAAAAAAAAAAAAAAAAAAAAAAABQAAAAAAAAAwMD/AAAAAABkAAAAMgAAAAAAAABkAAAAAAAAAH9/fwAKAAAAIgAAABgAAAAAAAAAAAAAAAAAAAAAAAAAAAAAAAAAAAAkAAAAJAAAAAAAAAAHAAAAAAAAAAAAAAAAAAAAAAAAAAAAAAAAAAAAf39/ACUAAABYAAAAAAAAAAAAAAAAAAAAAAAAAAAAAAAAAAAAAAAAAAAAAAAAAAAAAAAAAAAAAAA/AAAAAAAAAKCGAQAAAAAAAAAAAAAAAAAMAAAAAQAAAAAAAAAAAAAAAAAAAB8AAABUAAAAAAAABQAAAAEAAAAAAAAAAAAAAAAAAAAAAAAAAAAAAAAAAAAAAAAAAAAAAAJ/f38AAAAAA8zMzADAwP8Af39/AAAAAAAAAAAAAAAAAAAAAAAAAAAAIQAAABgAAAAUAAAAwAMAAN8JAAA/RwAAViIAABAAAAAmAAAACAAAADwgAAAAAAAA"/>
               </a:ext>
             </a:extLst>
           </p:cNvSpPr>
@@ -3035,7 +3043,7 @@
 </file>
 
 <file path=ppt/slideLayouts/slideLayout30.xml><?xml version="1.0" encoding="utf-8"?>
-<p:sldLayout xmlns:p="http://schemas.openxmlformats.org/presentationml/2006/main" xmlns:mc="http://schemas.openxmlformats.org/markup-compatibility/2006" xmlns:p14="http://schemas.microsoft.com/office/powerpoint/2010/main" xmlns:p15="http://schemas.microsoft.com/office/powerpoint/2012/main" xmlns:r="http://schemas.openxmlformats.org/officeDocument/2006/relationships" xmlns:a="http://schemas.openxmlformats.org/drawingml/2006/main" type="objOnly" preserve="1">
+<p:sldLayout xmlns:a="http://schemas.openxmlformats.org/drawingml/2006/main" xmlns:r="http://schemas.openxmlformats.org/officeDocument/2006/relationships" xmlns:p="http://schemas.openxmlformats.org/presentationml/2006/main" type="objOnly" preserve="1">
   <p:cSld name="Centered Text">
     <p:spTree>
       <p:nvGrpSpPr>
@@ -3058,7 +3066,7 @@
             <a:spLocks noGrp="1" noChangeArrowheads="1"/>
             <a:extLst>
               <a:ext uri="smNativeData">
-                <pr:smNativeData xmlns:pr="smNativeData" xmlns="smNativeData" val="SMDATA_15_q5OGZBMAAAAlAAAAZAAAAA0AAAAAAAAAAAAAAAAAAAAAAAAAAAAAAAABAAAAAAAAAAEAAABQAAAAAAAAAAAA4D8AAAAAAADgPwAAAAAAAOA/AAAAAAAA4D8AAAAAAADgPwAAAAAAAOA/AAAAAAAA4D8AAAAAAADgPwAAAAAAAOA/AAAAAAAA4D8CAAAAjAAAAAAAAAAAAAAARHLEDP///wgAAAAAAAAAAAAAAAAAAAAAAAAAAAAAAAAAAAAAZAAAAAEAAABAAAAAAAAAAAAAAAAAAAAAAAAAAAAAAAAAAAAAAAAAAAAAAAAAAAAAAAAAAAAAAAAAAAAAAAAAAAAAAAAAAAAAAAAAAAAAAAAAAAAAAAAAAAAAAAAAAAAAFAAAADwAAAAAAAAAAAAAAAAAAAkUAAAAAQAAABQAAAAUAAAAFAAAAAEAAAAAAAAAZAAAAGQAAAAAAAAAZAAAAGQAAAAVAAAAYAAAAAAAAAAAAAAADwAAACADAAAAAAAAAAAAAAEAAACgMgAAVgcAAKr4//8BAAAAf39/AAEAAABkAAAAAAAAABQAAABAHwAAAAAAACYAAAAAAAAAwOD//wAAAAAmAAAAZAAAABYAAABMAAAAAAAAAAAAAAAEAAAAAAAAAAEAAADn5uYKAAAAACgAAAAoAAAAZAAAAGQAAAAAAAAAzMzMAAAAAABQAAAAUAAAAGQAAABkAAAAAAAAABcAAAAUAAAAAAAAAAAAAAD/fwAA/38AAAAAAAAJAAAABAAAACwG9gAeAAAAaAAAAAAAAAAAAAAAAAAAAAAAAAAAAAAAECcAABAnAAAAAAAAAAAAAAAAAAAAAAAAAAAAAAAAAAAAAAAAAAAAABQAAAAAAAAAwMD/AAAAAABkAAAAMgAAAAAAAABkAAAAAAAAAH9/fwAKAAAAIgAAABgAAAAAAAAAAAAAAAAAAAAAAAAAAAAAAAAAAAAkAAAAJAAAAAAAAAAHAAAAAAAAAAAAAAAAAAAAAAAAAAAAAAAAAAAAf39/ACUAAABYAAAAAAAAAAAAAAAAAAAAAAAAAAAAAAAAAAAAAAAAAAAAAAAAAAAAAAAAAAAAAAA/AAAAAAAAAKCGAQAAAAAAAAAAAAAAAAAMAAAAAQAAAAAAAAAAAAAAAAAAAB8AAABUAAAAAAAABQAAAAEAAAAAAAAAAAAAAAAAAAAAAAAAAAAAAAAAAAAAAAAAAAAAAAJ/f38AAAAAA8zMzADAwP8Af39/AAAAAAAAAAAAAAAAAAAAAAAAAAAAIQAAABgAAAAUAAAAwAMAAK8BAAA/RwAAViIAABAAAAAmAAAACAAAAL0gAAAAAAAA"/>
+                <pr:smNativeData xmlns="smNativeData" xmlns:pr="smNativeData" xmlns:p15="http://schemas.microsoft.com/office/powerpoint/2012/main" xmlns:p14="http://schemas.microsoft.com/office/powerpoint/2010/main" xmlns:mc="http://schemas.openxmlformats.org/markup-compatibility/2006" val="SMDATA_15_q5OGZBMAAAAlAAAAZAAAAA0AAAAAAAAAAAAAAAAAAAAAAAAAAAAAAAABAAAAAAAAAAEAAABQAAAAAAAAAAAA4D8AAAAAAADgPwAAAAAAAOA/AAAAAAAA4D8AAAAAAADgPwAAAAAAAOA/AAAAAAAA4D8AAAAAAADgPwAAAAAAAOA/AAAAAAAA4D8CAAAAjAAAAAAAAAAAAAAARHLEDP///wgAAAAAAAAAAAAAAAAAAAAAAAAAAAAAAAAAAAAAZAAAAAEAAABAAAAAAAAAAAAAAAAAAAAAAAAAAAAAAAAAAAAAAAAAAAAAAAAAAAAAAAAAAAAAAAAAAAAAAAAAAAAAAAAAAAAAAAAAAAAAAAAAAAAAAAAAAAAAAAAAAAAAFAAAADwAAAAAAAAAAAAAAAAAAAkUAAAAAQAAABQAAAAUAAAAFAAAAAEAAAAAAAAAZAAAAGQAAAAAAAAAZAAAAGQAAAAVAAAAYAAAAAAAAAAAAAAADwAAACADAAAAAAAAAAAAAAEAAACgMgAAVgcAAKr4//8BAAAAf39/AAEAAABkAAAAAAAAABQAAABAHwAAAAAAACYAAAAAAAAAwOD//wAAAAAmAAAAZAAAABYAAABMAAAAAAAAAAAAAAAEAAAAAAAAAAEAAADn5uYKAAAAACgAAAAoAAAAZAAAAGQAAAAAAAAAzMzMAAAAAABQAAAAUAAAAGQAAABkAAAAAAAAABcAAAAUAAAAAAAAAAAAAAD/fwAA/38AAAAAAAAJAAAABAAAACwG9gAeAAAAaAAAAAAAAAAAAAAAAAAAAAAAAAAAAAAAECcAABAnAAAAAAAAAAAAAAAAAAAAAAAAAAAAAAAAAAAAAAAAAAAAABQAAAAAAAAAwMD/AAAAAABkAAAAMgAAAAAAAABkAAAAAAAAAH9/fwAKAAAAIgAAABgAAAAAAAAAAAAAAAAAAAAAAAAAAAAAAAAAAAAkAAAAJAAAAAAAAAAHAAAAAAAAAAAAAAAAAAAAAAAAAAAAAAAAAAAAf39/ACUAAABYAAAAAAAAAAAAAAAAAAAAAAAAAAAAAAAAAAAAAAAAAAAAAAAAAAAAAAAAAAAAAAA/AAAAAAAAAKCGAQAAAAAAAAAAAAAAAAAMAAAAAQAAAAAAAAAAAAAAAAAAAB8AAABUAAAAAAAABQAAAAEAAAAAAAAAAAAAAAAAAAAAAAAAAAAAAAAAAAAAAAAAAAAAAAJ/f38AAAAAA8zMzADAwP8Af39/AAAAAAAAAAAAAAAAAAAAAAAAAAAAIQAAABgAAAAUAAAAwAMAAK8BAAA/RwAAViIAABAAAAAmAAAACAAAAL0gAAAAAAAA"/>
               </a:ext>
             </a:extLst>
           </p:cNvSpPr>
@@ -3096,7 +3104,7 @@
 </file>
 
 <file path=ppt/slideLayouts/slideLayout31.xml><?xml version="1.0" encoding="utf-8"?>
-<p:sldLayout xmlns:p="http://schemas.openxmlformats.org/presentationml/2006/main" xmlns:mc="http://schemas.openxmlformats.org/markup-compatibility/2006" xmlns:p14="http://schemas.microsoft.com/office/powerpoint/2010/main" xmlns:p15="http://schemas.microsoft.com/office/powerpoint/2012/main" xmlns:r="http://schemas.openxmlformats.org/officeDocument/2006/relationships" xmlns:a="http://schemas.openxmlformats.org/drawingml/2006/main" type="twoObjAndObj" preserve="1">
+<p:sldLayout xmlns:a="http://schemas.openxmlformats.org/drawingml/2006/main" xmlns:r="http://schemas.openxmlformats.org/officeDocument/2006/relationships" xmlns:p="http://schemas.openxmlformats.org/presentationml/2006/main" type="twoObjAndObj" preserve="1">
   <p:cSld name="Title, 2 Content and Content">
     <p:spTree>
       <p:nvGrpSpPr>
@@ -3119,7 +3127,7 @@
             <a:spLocks noGrp="1" noChangeArrowheads="1"/>
             <a:extLst>
               <a:ext uri="smNativeData">
-                <pr:smNativeData xmlns:pr="smNativeData" xmlns="smNativeData" val="SMDATA_15_q5OGZBMAAAAlAAAAZAAAAA0AAAAAAAAAAAAAAAAAAAAAAAAAAAAAAAABAAAAAAAAAAEAAABQAAAAAAAAAAAA4D8AAAAAAADgPwAAAAAAAOA/AAAAAAAA4D8AAAAAAADgPwAAAAAAAOA/AAAAAAAA4D8AAAAAAADgPwAAAAAAAOA/AAAAAAAA4D8CAAAAjAAAAAAAAAAAAAAARHLEDP///wgAAAAAAAAAAAAAAAAAAAAAAAAAAAAAAAAAAAAAZAAAAAEAAABAAAAAAAAAAAAAAAAAAAAAAAAAAAAAAAAAAAAAAAAAAAAAAAAAAAAAAAAAAAAAAAAAAAAAAAAAAAAAAAAAAAAAAAAAAAAAAAAAAAAAAAAAAAAAAAAAAAAAFAAAADwAAAAAAAAAAAAAAAAAAAkUAAAAAQAAABQAAAAUAAAAFAAAAAEAAAAAAAAAZAAAAGQAAAAAAAAAZAAAAGQAAAAVAAAAYAAAAAAAAAAAAAAADwAAACADAAAAAAAAAAAAAAEAAACgMgAAVgcAAKr4//8BAAAAf39/AAEAAABkAAAAAAAAABQAAABAHwAAAAAAACYAAAAAAAAAwOD//wAAAAAmAAAAZAAAABYAAABMAAAAAAAAAAAAAAAEAAAAAAAAAAEAAADn5uYKAAAAACgAAAAoAAAAZAAAAGQAAAAAAAAAzMzMAAAAAABQAAAAUAAAAGQAAABkAAAAAAAAABcAAAAUAAAAAAAAAAAAAAD/fwAA/38AAAAAAAAJAAAABAAAAAAAAAAeAAAAaAAAAAAAAAAAAAAAAAAAAAAAAAAAAAAAECcAABAnAAAAAAAAAAAAAAAAAAAAAAAAAAAAAAAAAAAAAAAAAAAAABQAAAAAAAAAwMD/AAAAAABkAAAAMgAAAAAAAABkAAAAAAAAAH9/fwAKAAAAIgAAABgAAAAAAAAAAAAAAAAAAAAAAAAAAAAAAAAAAAAkAAAAJAAAAAAAAAAHAAAAAAAAAAAAAAAAAAAAAAAAAAAAAAAAAAAAf39/ACUAAABYAAAAAAAAAAAAAAAAAAAAAAAAAAAAAAAAAAAAAAAAAAAAAAAAAAAAAAAAAAAAAAA/AAAAAAAAAKCGAQAAAAAAAAAAAAAAAAAMAAAAAQAAAAAAAAAAAAAAAAAAAB8AAABUAAAAAAAABQAAAAEAAAAAAAAAAAAAAAAAAAAAAAAAAAAAAAAAAAAAAAAAAAAAAAJ/f38AAAAAA8zMzADAwP8Af39/AAAAAAAAAAAAAAAAAAAAAAAAAAAAIQAAABgAAAAUAAAAwAMAAK8BAAA/RwAAuggAABAAAAAmAAAACAAAADwgAAAAAAAA"/>
+                <pr:smNativeData xmlns="smNativeData" xmlns:pr="smNativeData" xmlns:p15="http://schemas.microsoft.com/office/powerpoint/2012/main" xmlns:p14="http://schemas.microsoft.com/office/powerpoint/2010/main" xmlns:mc="http://schemas.openxmlformats.org/markup-compatibility/2006" val="SMDATA_15_q5OGZBMAAAAlAAAAZAAAAA0AAAAAAAAAAAAAAAAAAAAAAAAAAAAAAAABAAAAAAAAAAEAAABQAAAAAAAAAAAA4D8AAAAAAADgPwAAAAAAAOA/AAAAAAAA4D8AAAAAAADgPwAAAAAAAOA/AAAAAAAA4D8AAAAAAADgPwAAAAAAAOA/AAAAAAAA4D8CAAAAjAAAAAAAAAAAAAAARHLEDP///wgAAAAAAAAAAAAAAAAAAAAAAAAAAAAAAAAAAAAAZAAAAAEAAABAAAAAAAAAAAAAAAAAAAAAAAAAAAAAAAAAAAAAAAAAAAAAAAAAAAAAAAAAAAAAAAAAAAAAAAAAAAAAAAAAAAAAAAAAAAAAAAAAAAAAAAAAAAAAAAAAAAAAFAAAADwAAAAAAAAAAAAAAAAAAAkUAAAAAQAAABQAAAAUAAAAFAAAAAEAAAAAAAAAZAAAAGQAAAAAAAAAZAAAAGQAAAAVAAAAYAAAAAAAAAAAAAAADwAAACADAAAAAAAAAAAAAAEAAACgMgAAVgcAAKr4//8BAAAAf39/AAEAAABkAAAAAAAAABQAAABAHwAAAAAAACYAAAAAAAAAwOD//wAAAAAmAAAAZAAAABYAAABMAAAAAAAAAAAAAAAEAAAAAAAAAAEAAADn5uYKAAAAACgAAAAoAAAAZAAAAGQAAAAAAAAAzMzMAAAAAABQAAAAUAAAAGQAAABkAAAAAAAAABcAAAAUAAAAAAAAAAAAAAD/fwAA/38AAAAAAAAJAAAABAAAAAAAAAAeAAAAaAAAAAAAAAAAAAAAAAAAAAAAAAAAAAAAECcAABAnAAAAAAAAAAAAAAAAAAAAAAAAAAAAAAAAAAAAAAAAAAAAABQAAAAAAAAAwMD/AAAAAABkAAAAMgAAAAAAAABkAAAAAAAAAH9/fwAKAAAAIgAAABgAAAAAAAAAAAAAAAAAAAAAAAAAAAAAAAAAAAAkAAAAJAAAAAAAAAAHAAAAAAAAAAAAAAAAAAAAAAAAAAAAAAAAAAAAf39/ACUAAABYAAAAAAAAAAAAAAAAAAAAAAAAAAAAAAAAAAAAAAAAAAAAAAAAAAAAAAAAAAAAAAA/AAAAAAAAAKCGAQAAAAAAAAAAAAAAAAAMAAAAAQAAAAAAAAAAAAAAAAAAAB8AAABUAAAAAAAABQAAAAEAAAAAAAAAAAAAAAAAAAAAAAAAAAAAAAAAAAAAAAAAAAAAAAJ/f38AAAAAA8zMzADAwP8Af39/AAAAAAAAAAAAAAAAAAAAAAAAAAAAIQAAABgAAAAUAAAAwAMAAK8BAAA/RwAAuggAABAAAAAmAAAACAAAADwgAAAAAAAA"/>
               </a:ext>
             </a:extLst>
           </p:cNvSpPr>
@@ -3150,7 +3158,7 @@
             <a:spLocks noGrp="1" noChangeArrowheads="1"/>
             <a:extLst>
               <a:ext uri="smNativeData">
-                <pr:smNativeData xmlns:pr="smNativeData" xmlns="smNativeData" val="SMDATA_15_q5OGZBMAAAAlAAAAZAAAAA0AAAAAAAAAAAAAAAAAAAAAAAAAAAAAAAAAAAAAAAAAAAEAAABQAAAAAAAAAAAA4D8AAAAAAADgPwAAAAAAAOA/AAAAAAAA4D8AAAAAAADgPwAAAAAAAOA/AAAAAAAA4D8AAAAAAADgPwAAAAAAAOA/AAAAAAAA4D8CAAAAjAAAAAAAAAAAAAAARHLEDP///wgAAAAAAAAAAAAAAAAAAAAAAAAAAAAAAAAAAAAAZAAAAAEAAABAAAAAAAAAAAAAAAAAAAAAAAAAAAAAAAAAAAAAAAAAAAAAAAAAAAAAAAAAAAAAAAAAAAAAAAAAAAAAAAAAAAAAAAAAAAAAAAAAAAAAAAAAAAAAAAAAAAAAFAAAADwAAAAAAAAAAAAAAAAAAAkUAAAAAQAAABQAAAAUAAAAFAAAAAEAAAAAAAAAZAAAAGQAAAAAAAAAZAAAAGQAAAAVAAAAYAAAAAAAAAAAAAAADwAAACADAAAAAAAAAAAAAAEAAACgMgAAVgcAAKr4//8BAAAAf39/AAEAAABkAAAAAAAAABQAAABAHwAAAAAAACYAAAAAAAAAwOD//wAAAAAmAAAAZAAAABYAAABMAAAAAAAAAAAAAAAEAAAAAAAAAAEAAADn5uYKAAAAACgAAAAoAAAAZAAAAGQAAAAAAAAAzMzMAAAAAABQAAAAUAAAAGQAAABkAAAAAAAAABcAAAAUAAAAAAAAAAAAAAD/fwAA/38AAAAAAAAJAAAABAAAAEiqCAEeAAAAaAAAAAAAAAAAAAAAAAAAAAAAAAAAAAAAECcAABAnAAAAAAAAAAAAAAAAAAAAAAAAAAAAAAAAAAAAAAAAAAAAABQAAAAAAAAAwMD/AAAAAABkAAAAMgAAAAAAAABkAAAAAAAAAH9/fwAKAAAAIgAAABgAAAAAAAAAAAAAAAAAAAAAAAAAAAAAAAAAAAAkAAAAJAAAAAAAAAAHAAAAAAAAAAAAAAAAAAAAAAAAAAAAAAAAAAAAf39/ACUAAABYAAAAAAAAAAAAAAAAAAAAAAAAAAAAAAAAAAAAAAAAAAAAAAAAAAAAAAAAAAAAAAA/AAAAAAAAAKCGAQAAAAAAAAAAAAAAAAAMAAAAAQAAAAAAAAAAAAAAAAAAAB8AAABUAAAAAAAABQAAAAEAAAAAAAAAAAAAAAAAAAAAAAAAAAAAAAAAAAAAAAAAAAAAAAJ/f38AAAAAA8zMzADAwP8Af39/AAAAAAAAAAAAAAAAAAAAAAAAAAAAIQAAABgAAAAUAAAAwAMAAN8JAACwJAAAihUAABAAAAAmAAAACAAAAD0gAAAAAAAA"/>
+                <pr:smNativeData xmlns="smNativeData" xmlns:pr="smNativeData" xmlns:p15="http://schemas.microsoft.com/office/powerpoint/2012/main" xmlns:p14="http://schemas.microsoft.com/office/powerpoint/2010/main" xmlns:mc="http://schemas.openxmlformats.org/markup-compatibility/2006" val="SMDATA_15_q5OGZBMAAAAlAAAAZAAAAA0AAAAAAAAAAAAAAAAAAAAAAAAAAAAAAAAAAAAAAAAAAAEAAABQAAAAAAAAAAAA4D8AAAAAAADgPwAAAAAAAOA/AAAAAAAA4D8AAAAAAADgPwAAAAAAAOA/AAAAAAAA4D8AAAAAAADgPwAAAAAAAOA/AAAAAAAA4D8CAAAAjAAAAAAAAAAAAAAARHLEDP///wgAAAAAAAAAAAAAAAAAAAAAAAAAAAAAAAAAAAAAZAAAAAEAAABAAAAAAAAAAAAAAAAAAAAAAAAAAAAAAAAAAAAAAAAAAAAAAAAAAAAAAAAAAAAAAAAAAAAAAAAAAAAAAAAAAAAAAAAAAAAAAAAAAAAAAAAAAAAAAAAAAAAAFAAAADwAAAAAAAAAAAAAAAAAAAkUAAAAAQAAABQAAAAUAAAAFAAAAAEAAAAAAAAAZAAAAGQAAAAAAAAAZAAAAGQAAAAVAAAAYAAAAAAAAAAAAAAADwAAACADAAAAAAAAAAAAAAEAAACgMgAAVgcAAKr4//8BAAAAf39/AAEAAABkAAAAAAAAABQAAABAHwAAAAAAACYAAAAAAAAAwOD//wAAAAAmAAAAZAAAABYAAABMAAAAAAAAAAAAAAAEAAAAAAAAAAEAAADn5uYKAAAAACgAAAAoAAAAZAAAAGQAAAAAAAAAzMzMAAAAAABQAAAAUAAAAGQAAABkAAAAAAAAABcAAAAUAAAAAAAAAAAAAAD/fwAA/38AAAAAAAAJAAAABAAAAEiqCAEeAAAAaAAAAAAAAAAAAAAAAAAAAAAAAAAAAAAAECcAABAnAAAAAAAAAAAAAAAAAAAAAAAAAAAAAAAAAAAAAAAAAAAAABQAAAAAAAAAwMD/AAAAAABkAAAAMgAAAAAAAABkAAAAAAAAAH9/fwAKAAAAIgAAABgAAAAAAAAAAAAAAAAAAAAAAAAAAAAAAAAAAAAkAAAAJAAAAAAAAAAHAAAAAAAAAAAAAAAAAAAAAAAAAAAAAAAAAAAAf39/ACUAAABYAAAAAAAAAAAAAAAAAAAAAAAAAAAAAAAAAAAAAAAAAAAAAAAAAAAAAAAAAAAAAAA/AAAAAAAAAKCGAQAAAAAAAAAAAAAAAAAMAAAAAQAAAAAAAAAAAAAAAAAAAB8AAABUAAAAAAAABQAAAAEAAAAAAAAAAAAAAAAAAAAAAAAAAAAAAAAAAAAAAAAAAAAAAAJ/f38AAAAAA8zMzADAwP8Af39/AAAAAAAAAAAAAAAAAAAAAAAAAAAAIQAAABgAAAAUAAAAwAMAAN8JAACwJAAAihUAABAAAAAmAAAACAAAAD0gAAAAAAAA"/>
               </a:ext>
             </a:extLst>
           </p:cNvSpPr>
@@ -3186,7 +3194,7 @@
             <a:spLocks noGrp="1" noChangeArrowheads="1"/>
             <a:extLst>
               <a:ext uri="smNativeData">
-                <pr:smNativeData xmlns:pr="smNativeData" xmlns="smNativeData" val="SMDATA_15_q5OGZBMAAAAlAAAAZAAAAA0AAAAAAAAAAAAAAAAAAAAAAAAAAAAAAAAAAAAAAAAAAAEAAABQAAAAAAAAAAAA4D8AAAAAAADgPwAAAAAAAOA/AAAAAAAA4D8AAAAAAADgPwAAAAAAAOA/AAAAAAAA4D8AAAAAAADgPwAAAAAAAOA/AAAAAAAA4D8CAAAAjAAAAAAAAAAAAAAARHLEDP///wgAAAAAAAAAAAAAAAAAAAAAAAAAAAAAAAAAAAAAZAAAAAEAAABAAAAAAAAAAAAAAAAAAAAAAAAAAAAAAAAAAAAAAAAAAAAAAAAAAAAAAAAAAAAAAAAAAAAAAAAAAAAAAAAAAAAAAAAAAAAAAAAAAAAAAAAAAAAAAAAAAAAAFAAAADwAAAAAAAAAAAAAAAAAAAkUAAAAAQAAABQAAAAUAAAAFAAAAAEAAAAAAAAAZAAAAGQAAAAAAAAAZAAAAGQAAAAVAAAAYAAAAAAAAAAAAAAADwAAACADAAAAAAAAAAAAAAEAAACgMgAAVgcAAKr4//8BAAAAf39/AAEAAABkAAAAAAAAABQAAABAHwAAAAAAACYAAAAAAAAAwOD//wAAAAAmAAAAZAAAABYAAABMAAAAAAAAAAAAAAAEAAAAAAAAAAEAAADn5uYKAAAAACgAAAAoAAAAZAAAAGQAAAAAAAAAzMzMAAAAAABQAAAAUAAAAGQAAABkAAAAAAAAABcAAAAUAAAAAAAAAAAAAAD/fwAA/38AAAAAAAAJAAAABAAAAF9yZWweAAAAaAAAAAAAAAAAAAAAAAAAAAAAAAAAAAAAECcAABAnAAAAAAAAAAAAAAAAAAAAAAAAAAAAAAAAAAAAAAAAAAAAABQAAAAAAAAAwMD/AAAAAABkAAAAMgAAAAAAAABkAAAAAAAAAH9/fwAKAAAAIgAAABgAAAAAAAAAAAAAAAAAAAAAAAAAAAAAAAAAAAAkAAAAJAAAAAAAAAAHAAAAAAAAAAAAAAAAAAAAAAAAAAAAAAAAAAAAf39/ACUAAABYAAAAAAAAAAAAAAAAAAAAAAAAAAAAAAAAAAAAAAAAAAAAAAAAAAAAAAAAAAAAAAA/AAAAAAAAAKCGAQAAAAAAAAAAAAAAAAAMAAAAAQAAAAAAAAAAAAAAAAAAAB8AAABUAAAAAAAABQAAAAEAAAAAAAAAAAAAAAAAAAAAAAAAAAAAAAAAAAAAAAAAAAAAAAJ/f38AAAAAA8zMzADAwP8Af39/AAAAAAAAAAAAAAAAAAAAAAAAAAAAIQAAABgAAAAUAAAAViYAAN8JAABGRwAAViIAABAAAAAmAAAACAAAAD0gAAAAAAAA"/>
+                <pr:smNativeData xmlns="smNativeData" xmlns:pr="smNativeData" xmlns:p15="http://schemas.microsoft.com/office/powerpoint/2012/main" xmlns:p14="http://schemas.microsoft.com/office/powerpoint/2010/main" xmlns:mc="http://schemas.openxmlformats.org/markup-compatibility/2006" val="SMDATA_15_q5OGZBMAAAAlAAAAZAAAAA0AAAAAAAAAAAAAAAAAAAAAAAAAAAAAAAAAAAAAAAAAAAEAAABQAAAAAAAAAAAA4D8AAAAAAADgPwAAAAAAAOA/AAAAAAAA4D8AAAAAAADgPwAAAAAAAOA/AAAAAAAA4D8AAAAAAADgPwAAAAAAAOA/AAAAAAAA4D8CAAAAjAAAAAAAAAAAAAAARHLEDP///wgAAAAAAAAAAAAAAAAAAAAAAAAAAAAAAAAAAAAAZAAAAAEAAABAAAAAAAAAAAAAAAAAAAAAAAAAAAAAAAAAAAAAAAAAAAAAAAAAAAAAAAAAAAAAAAAAAAAAAAAAAAAAAAAAAAAAAAAAAAAAAAAAAAAAAAAAAAAAAAAAAAAAFAAAADwAAAAAAAAAAAAAAAAAAAkUAAAAAQAAABQAAAAUAAAAFAAAAAEAAAAAAAAAZAAAAGQAAAAAAAAAZAAAAGQAAAAVAAAAYAAAAAAAAAAAAAAADwAAACADAAAAAAAAAAAAAAEAAACgMgAAVgcAAKr4//8BAAAAf39/AAEAAABkAAAAAAAAABQAAABAHwAAAAAAACYAAAAAAAAAwOD//wAAAAAmAAAAZAAAABYAAABMAAAAAAAAAAAAAAAEAAAAAAAAAAEAAADn5uYKAAAAACgAAAAoAAAAZAAAAGQAAAAAAAAAzMzMAAAAAABQAAAAUAAAAGQAAABkAAAAAAAAABcAAAAUAAAAAAAAAAAAAAD/fwAA/38AAAAAAAAJAAAABAAAAF9yZWweAAAAaAAAAAAAAAAAAAAAAAAAAAAAAAAAAAAAECcAABAnAAAAAAAAAAAAAAAAAAAAAAAAAAAAAAAAAAAAAAAAAAAAABQAAAAAAAAAwMD/AAAAAABkAAAAMgAAAAAAAABkAAAAAAAAAH9/fwAKAAAAIgAAABgAAAAAAAAAAAAAAAAAAAAAAAAAAAAAAAAAAAAkAAAAJAAAAAAAAAAHAAAAAAAAAAAAAAAAAAAAAAAAAAAAAAAAAAAAf39/ACUAAABYAAAAAAAAAAAAAAAAAAAAAAAAAAAAAAAAAAAAAAAAAAAAAAAAAAAAAAAAAAAAAAA/AAAAAAAAAKCGAQAAAAAAAAAAAAAAAAAMAAAAAQAAAAAAAAAAAAAAAAAAAB8AAABUAAAAAAAABQAAAAEAAAAAAAAAAAAAAAAAAAAAAAAAAAAAAAAAAAAAAAAAAAAAAAJ/f38AAAAAA8zMzADAwP8Af39/AAAAAAAAAAAAAAAAAAAAAAAAAAAAIQAAABgAAAAUAAAAViYAAN8JAABGRwAAViIAABAAAAAmAAAACAAAAD0gAAAAAAAA"/>
               </a:ext>
             </a:extLst>
           </p:cNvSpPr>
@@ -3222,7 +3230,7 @@
             <a:spLocks noGrp="1" noChangeArrowheads="1"/>
             <a:extLst>
               <a:ext uri="smNativeData">
-                <pr:smNativeData xmlns:pr="smNativeData" xmlns="smNativeData" val="SMDATA_15_q5OGZBMAAAAlAAAAZAAAAA0AAAAAAAAAAAAAAAAAAAAAAAAAAAAAAAAAAAAAAAAAAAEAAABQAAAAAAAAAAAA4D8AAAAAAADgPwAAAAAAAOA/AAAAAAAA4D8AAAAAAADgPwAAAAAAAOA/AAAAAAAA4D8AAAAAAADgPwAAAAAAAOA/AAAAAAAA4D8CAAAAjAAAAAAAAAAAAAAARHLEDP///wgAAAAAAAAAAAAAAAAAAAAAAAAAAAAAAAAAAAAAZAAAAAEAAABAAAAAAAAAAAAAAAAAAAAAAAAAAAAAAAAAAAAAAAAAAAAAAAAAAAAAAAAAAAAAAAAAAAAAAAAAAAAAAAAAAAAAAAAAAAAAAAAAAAAAAAAAAAAAAAAAAAAAFAAAADwAAAAAAAAAAAAAAAAAAAkUAAAAAQAAABQAAAAUAAAAFAAAAAEAAAAAAAAAZAAAAGQAAAAAAAAAZAAAAGQAAAAVAAAAYAAAAAAAAAAAAAAADwAAACADAAAAAAAAAAAAAAEAAACgMgAAVgcAAKr4//8BAAAAf39/AAEAAABkAAAAAAAAABQAAABAHwAAAAAAACYAAAAAAAAAwOD//wAAAAAmAAAAZAAAABYAAABMAAAAAAAAAAAAAAAEAAAAAAAAAAEAAADn5uYKAAAAACgAAAAoAAAAZAAAAGQAAAAAAAAAzMzMAAAAAABQAAAAUAAAAGQAAABkAAAAAAAAABcAAAAUAAAAAAAAAAAAAAD/fwAA/38AAAAAAAAJAAAABAAAAFh74wseAAAAaAAAAAAAAAAAAAAAAAAAAAAAAAAAAAAAECcAABAnAAAAAAAAAAAAAAAAAAAAAAAAAAAAAAAAAAAAAAAAAAAAABQAAAAAAAAAwMD/AAAAAABkAAAAMgAAAAAAAABkAAAAAAAAAH9/fwAKAAAAIgAAABgAAAAAAAAAAAAAAAAAAAAAAAAAAAAAAAAAAAAkAAAAJAAAAAAAAAAHAAAAAAAAAAAAAAAAAAAAAAAAAAAAAAAAAAAAf39/ACUAAABYAAAAAAAAAAAAAAAAAAAAAAAAAAAAAAAAAAAAAAAAAAAAAAAAAAAAAAAAAAAAAAA/AAAAAAAAAKCGAQAAAAAAAAAAAAAAAAAMAAAAAQAAAAAAAAAAAAAAAAAAAB8AAABUAAAAAAAABQAAAAEAAAAAAAAAAAAAAAAAAAAAAAAAAAAAAAAAAAAAAAAAAAAAAAJ/f38AAAAAA8zMzADAwP8Af39/AAAAAAAAAAAAAAAAAAAAAAAAAAAAIQAAABgAAAAUAAAAwAMAAKcWAACwJAAAUiIAABAAAAAmAAAACAAAAD0gAAAAAAAA"/>
+                <pr:smNativeData xmlns="smNativeData" xmlns:pr="smNativeData" xmlns:p15="http://schemas.microsoft.com/office/powerpoint/2012/main" xmlns:p14="http://schemas.microsoft.com/office/powerpoint/2010/main" xmlns:mc="http://schemas.openxmlformats.org/markup-compatibility/2006" val="SMDATA_15_q5OGZBMAAAAlAAAAZAAAAA0AAAAAAAAAAAAAAAAAAAAAAAAAAAAAAAAAAAAAAAAAAAEAAABQAAAAAAAAAAAA4D8AAAAAAADgPwAAAAAAAOA/AAAAAAAA4D8AAAAAAADgPwAAAAAAAOA/AAAAAAAA4D8AAAAAAADgPwAAAAAAAOA/AAAAAAAA4D8CAAAAjAAAAAAAAAAAAAAARHLEDP///wgAAAAAAAAAAAAAAAAAAAAAAAAAAAAAAAAAAAAAZAAAAAEAAABAAAAAAAAAAAAAAAAAAAAAAAAAAAAAAAAAAAAAAAAAAAAAAAAAAAAAAAAAAAAAAAAAAAAAAAAAAAAAAAAAAAAAAAAAAAAAAAAAAAAAAAAAAAAAAAAAAAAAFAAAADwAAAAAAAAAAAAAAAAAAAkUAAAAAQAAABQAAAAUAAAAFAAAAAEAAAAAAAAAZAAAAGQAAAAAAAAAZAAAAGQAAAAVAAAAYAAAAAAAAAAAAAAADwAAACADAAAAAAAAAAAAAAEAAACgMgAAVgcAAKr4//8BAAAAf39/AAEAAABkAAAAAAAAABQAAABAHwAAAAAAACYAAAAAAAAAwOD//wAAAAAmAAAAZAAAABYAAABMAAAAAAAAAAAAAAAEAAAAAAAAAAEAAADn5uYKAAAAACgAAAAoAAAAZAAAAGQAAAAAAAAAzMzMAAAAAABQAAAAUAAAAGQAAABkAAAAAAAAABcAAAAUAAAAAAAAAAAAAAD/fwAA/38AAAAAAAAJAAAABAAAAFh74wseAAAAaAAAAAAAAAAAAAAAAAAAAAAAAAAAAAAAECcAABAnAAAAAAAAAAAAAAAAAAAAAAAAAAAAAAAAAAAAAAAAAAAAABQAAAAAAAAAwMD/AAAAAABkAAAAMgAAAAAAAABkAAAAAAAAAH9/fwAKAAAAIgAAABgAAAAAAAAAAAAAAAAAAAAAAAAAAAAAAAAAAAAkAAAAJAAAAAAAAAAHAAAAAAAAAAAAAAAAAAAAAAAAAAAAAAAAAAAAf39/ACUAAABYAAAAAAAAAAAAAAAAAAAAAAAAAAAAAAAAAAAAAAAAAAAAAAAAAAAAAAAAAAAAAAA/AAAAAAAAAKCGAQAAAAAAAAAAAAAAAAAMAAAAAQAAAAAAAAAAAAAAAAAAAB8AAABUAAAAAAAABQAAAAEAAAAAAAAAAAAAAAAAAAAAAAAAAAAAAAAAAAAAAAAAAAAAAAJ/f38AAAAAA8zMzADAwP8Af39/AAAAAAAAAAAAAAAAAAAAAAAAAAAAIQAAABgAAAAUAAAAwAMAAKcWAACwJAAAUiIAABAAAAAmAAAACAAAAD0gAAAAAAAA"/>
               </a:ext>
             </a:extLst>
           </p:cNvSpPr>
@@ -3260,7 +3268,7 @@
 </file>
 
 <file path=ppt/slideLayouts/slideLayout32.xml><?xml version="1.0" encoding="utf-8"?>
-<p:sldLayout xmlns:p="http://schemas.openxmlformats.org/presentationml/2006/main" xmlns:mc="http://schemas.openxmlformats.org/markup-compatibility/2006" xmlns:p14="http://schemas.microsoft.com/office/powerpoint/2010/main" xmlns:p15="http://schemas.microsoft.com/office/powerpoint/2012/main" xmlns:r="http://schemas.openxmlformats.org/officeDocument/2006/relationships" xmlns:a="http://schemas.openxmlformats.org/drawingml/2006/main" type="objAndTwoObj" preserve="1">
+<p:sldLayout xmlns:a="http://schemas.openxmlformats.org/drawingml/2006/main" xmlns:r="http://schemas.openxmlformats.org/officeDocument/2006/relationships" xmlns:p="http://schemas.openxmlformats.org/presentationml/2006/main" type="objAndTwoObj" preserve="1">
   <p:cSld name="Title Content and 2 Content">
     <p:spTree>
       <p:nvGrpSpPr>
@@ -3283,7 +3291,7 @@
             <a:spLocks noGrp="1" noChangeArrowheads="1"/>
             <a:extLst>
               <a:ext uri="smNativeData">
-                <pr:smNativeData xmlns:pr="smNativeData" xmlns="smNativeData" val="SMDATA_15_q5OGZBMAAAAlAAAAZAAAAA0AAAAAAAAAAAAAAAAAAAAAAAAAAAAAAAABAAAAAAAAAAEAAABQAAAAAAAAAAAA4D8AAAAAAADgPwAAAAAAAOA/AAAAAAAA4D8AAAAAAADgPwAAAAAAAOA/AAAAAAAA4D8AAAAAAADgPwAAAAAAAOA/AAAAAAAA4D8CAAAAjAAAAAAAAAAAAAAARHLEDP///wgAAAAAAAAAAAAAAAAAAAAAAAAAAAAAAAAAAAAAZAAAAAEAAABAAAAAAAAAAAAAAAAAAAAAAAAAAAAAAAAAAAAAAAAAAAAAAAAAAAAAAAAAAAAAAAAAAAAAAAAAAAAAAAAAAAAAAAAAAAAAAAAAAAAAAAAAAAAAAAAAAAAAFAAAADwAAAAAAAAAAAAAAAAAAAkUAAAAAQAAABQAAAAUAAAAFAAAAAEAAAAAAAAAZAAAAGQAAAAAAAAAZAAAAGQAAAAVAAAAYAAAAAAAAAAAAAAADwAAACADAAAAAAAAAAAAAAEAAACgMgAAVgcAAKr4//8BAAAAf39/AAEAAABkAAAAAAAAABQAAABAHwAAAAAAACYAAAAAAAAAwOD//wAAAAAmAAAAZAAAABYAAABMAAAAAAAAAAAAAAAEAAAAAAAAAAEAAADn5uYKAAAAACgAAAAoAAAAZAAAAGQAAAAAAAAAzMzMAAAAAABQAAAAUAAAAGQAAABkAAAAAAAAABcAAAAUAAAAAAAAAAAAAAD/fwAA/38AAAAAAAAJAAAABAAAAJgGAAAeAAAAaAAAAAAAAAAAAAAAAAAAAAAAAAAAAAAAECcAABAnAAAAAAAAAAAAAAAAAAAAAAAAAAAAAAAAAAAAAAAAAAAAABQAAAAAAAAAwMD/AAAAAABkAAAAMgAAAAAAAABkAAAAAAAAAH9/fwAKAAAAIgAAABgAAAAAAAAAAAAAAAAAAAAAAAAAAAAAAAAAAAAkAAAAJAAAAAAAAAAHAAAAAAAAAAAAAAAAAAAAAAAAAAAAAAAAAAAAf39/ACUAAABYAAAAAAAAAAAAAAAAAAAAAAAAAAAAAAAAAAAAAAAAAAAAAAAAAAAAAAAAAAAAAAA/AAAAAAAAAKCGAQAAAAAAAAAAAAAAAAAMAAAAAQAAAAAAAAAAAAAAAAAAAB8AAABUAAAAAAAABQAAAAEAAAAAAAAAAAAAAAAAAAAAAAAAAAAAAAAAAAAAAAAAAAAAAAJ/f38AAAAAA8zMzADAwP8Af39/AAAAAAAAAAAAAAAAAAAAAAAAAAAAIQAAABgAAAAUAAAAwAMAAK8BAAA/RwAAuggAABAAAAAmAAAACAAAADwgAAAAAAAA"/>
+                <pr:smNativeData xmlns="smNativeData" xmlns:pr="smNativeData" xmlns:p15="http://schemas.microsoft.com/office/powerpoint/2012/main" xmlns:p14="http://schemas.microsoft.com/office/powerpoint/2010/main" xmlns:mc="http://schemas.openxmlformats.org/markup-compatibility/2006" val="SMDATA_15_q5OGZBMAAAAlAAAAZAAAAA0AAAAAAAAAAAAAAAAAAAAAAAAAAAAAAAABAAAAAAAAAAEAAABQAAAAAAAAAAAA4D8AAAAAAADgPwAAAAAAAOA/AAAAAAAA4D8AAAAAAADgPwAAAAAAAOA/AAAAAAAA4D8AAAAAAADgPwAAAAAAAOA/AAAAAAAA4D8CAAAAjAAAAAAAAAAAAAAARHLEDP///wgAAAAAAAAAAAAAAAAAAAAAAAAAAAAAAAAAAAAAZAAAAAEAAABAAAAAAAAAAAAAAAAAAAAAAAAAAAAAAAAAAAAAAAAAAAAAAAAAAAAAAAAAAAAAAAAAAAAAAAAAAAAAAAAAAAAAAAAAAAAAAAAAAAAAAAAAAAAAAAAAAAAAFAAAADwAAAAAAAAAAAAAAAAAAAkUAAAAAQAAABQAAAAUAAAAFAAAAAEAAAAAAAAAZAAAAGQAAAAAAAAAZAAAAGQAAAAVAAAAYAAAAAAAAAAAAAAADwAAACADAAAAAAAAAAAAAAEAAACgMgAAVgcAAKr4//8BAAAAf39/AAEAAABkAAAAAAAAABQAAABAHwAAAAAAACYAAAAAAAAAwOD//wAAAAAmAAAAZAAAABYAAABMAAAAAAAAAAAAAAAEAAAAAAAAAAEAAADn5uYKAAAAACgAAAAoAAAAZAAAAGQAAAAAAAAAzMzMAAAAAABQAAAAUAAAAGQAAABkAAAAAAAAABcAAAAUAAAAAAAAAAAAAAD/fwAA/38AAAAAAAAJAAAABAAAAJgGAAAeAAAAaAAAAAAAAAAAAAAAAAAAAAAAAAAAAAAAECcAABAnAAAAAAAAAAAAAAAAAAAAAAAAAAAAAAAAAAAAAAAAAAAAABQAAAAAAAAAwMD/AAAAAABkAAAAMgAAAAAAAABkAAAAAAAAAH9/fwAKAAAAIgAAABgAAAAAAAAAAAAAAAAAAAAAAAAAAAAAAAAAAAAkAAAAJAAAAAAAAAAHAAAAAAAAAAAAAAAAAAAAAAAAAAAAAAAAAAAAf39/ACUAAABYAAAAAAAAAAAAAAAAAAAAAAAAAAAAAAAAAAAAAAAAAAAAAAAAAAAAAAAAAAAAAAA/AAAAAAAAAKCGAQAAAAAAAAAAAAAAAAAMAAAAAQAAAAAAAAAAAAAAAAAAAB8AAABUAAAAAAAABQAAAAEAAAAAAAAAAAAAAAAAAAAAAAAAAAAAAAAAAAAAAAAAAAAAAAJ/f38AAAAAA8zMzADAwP8Af39/AAAAAAAAAAAAAAAAAAAAAAAAAAAAIQAAABgAAAAUAAAAwAMAAK8BAAA/RwAAuggAABAAAAAmAAAACAAAADwgAAAAAAAA"/>
               </a:ext>
             </a:extLst>
           </p:cNvSpPr>
@@ -3314,7 +3322,7 @@
             <a:spLocks noGrp="1" noChangeArrowheads="1"/>
             <a:extLst>
               <a:ext uri="smNativeData">
-                <pr:smNativeData xmlns:pr="smNativeData" xmlns="smNativeData" val="SMDATA_15_q5OGZBMAAAAlAAAAZAAAAA0AAAAAAAAAAAAAAAAAAAAAAAAAAAAAAAAAAAAAAAAAAAEAAABQAAAAAAAAAAAA4D8AAAAAAADgPwAAAAAAAOA/AAAAAAAA4D8AAAAAAADgPwAAAAAAAOA/AAAAAAAA4D8AAAAAAADgPwAAAAAAAOA/AAAAAAAA4D8CAAAAjAAAAAAAAAAAAAAARHLEDP///wgAAAAAAAAAAAAAAAAAAAAAAAAAAAAAAAAAAAAAZAAAAAEAAABAAAAAAAAAAAAAAAAAAAAAAAAAAAAAAAAAAAAAAAAAAAAAAAAAAAAAAAAAAAAAAAAAAAAAAAAAAAAAAAAAAAAAAAAAAAAAAAAAAAAAAAAAAAAAAAAAAAAAFAAAADwAAAAAAAAAAAAAAAAAAAkUAAAAAQAAABQAAAAUAAAAFAAAAAEAAAAAAAAAZAAAAGQAAAAAAAAAZAAAAGQAAAAVAAAAYAAAAAAAAAAAAAAADwAAACADAAAAAAAAAAAAAAEAAACgMgAAVgcAAKr4//8BAAAAf39/AAEAAABkAAAAAAAAABQAAABAHwAAAAAAACYAAAAAAAAAwOD//wAAAAAmAAAAZAAAABYAAABMAAAAAAAAAAAAAAAEAAAAAAAAAAEAAADn5uYKAAAAACgAAAAoAAAAZAAAAGQAAAAAAAAAzMzMAAAAAABQAAAAUAAAAGQAAABkAAAAAAAAABcAAAAUAAAAAAAAAAAAAAD/fwAA/38AAAAAAAAJAAAABAAAAIazpAseAAAAaAAAAAAAAAAAAAAAAAAAAAAAAAAAAAAAECcAABAnAAAAAAAAAAAAAAAAAAAAAAAAAAAAAAAAAAAAAAAAAAAAABQAAAAAAAAAwMD/AAAAAABkAAAAMgAAAAAAAABkAAAAAAAAAH9/fwAKAAAAIgAAABgAAAAAAAAAAAAAAAAAAAAAAAAAAAAAAAAAAAAkAAAAJAAAAAAAAAAHAAAAAAAAAAAAAAAAAAAAAAAAAAAAAAAAAAAAf39/ACUAAABYAAAAAAAAAAAAAAAAAAAAAAAAAAAAAAAAAAAAAAAAAAAAAAAAAAAAAAAAAAAAAAA/AAAAAAAAAKCGAQAAAAAAAAAAAAAAAAAMAAAAAQAAAAAAAAAAAAAAAAAAAB8AAABUAAAAAAAABQAAAAEAAAAAAAAAAAAAAAAAAAAAAAAAAAAAAAAAAAAAAAAAAAAAAAJ/f38AAAAAA8zMzADAwP8Af39/AAAAAAAAAAAAAAAAAAAAAAAAAAAAIQAAABgAAAAUAAAAwAMAAN8JAACwJAAAViIAABAAAAAmAAAACAAAAD0gAAAAAAAA"/>
+                <pr:smNativeData xmlns="smNativeData" xmlns:pr="smNativeData" xmlns:p15="http://schemas.microsoft.com/office/powerpoint/2012/main" xmlns:p14="http://schemas.microsoft.com/office/powerpoint/2010/main" xmlns:mc="http://schemas.openxmlformats.org/markup-compatibility/2006" val="SMDATA_15_q5OGZBMAAAAlAAAAZAAAAA0AAAAAAAAAAAAAAAAAAAAAAAAAAAAAAAAAAAAAAAAAAAEAAABQAAAAAAAAAAAA4D8AAAAAAADgPwAAAAAAAOA/AAAAAAAA4D8AAAAAAADgPwAAAAAAAOA/AAAAAAAA4D8AAAAAAADgPwAAAAAAAOA/AAAAAAAA4D8CAAAAjAAAAAAAAAAAAAAARHLEDP///wgAAAAAAAAAAAAAAAAAAAAAAAAAAAAAAAAAAAAAZAAAAAEAAABAAAAAAAAAAAAAAAAAAAAAAAAAAAAAAAAAAAAAAAAAAAAAAAAAAAAAAAAAAAAAAAAAAAAAAAAAAAAAAAAAAAAAAAAAAAAAAAAAAAAAAAAAAAAAAAAAAAAAFAAAADwAAAAAAAAAAAAAAAAAAAkUAAAAAQAAABQAAAAUAAAAFAAAAAEAAAAAAAAAZAAAAGQAAAAAAAAAZAAAAGQAAAAVAAAAYAAAAAAAAAAAAAAADwAAACADAAAAAAAAAAAAAAEAAACgMgAAVgcAAKr4//8BAAAAf39/AAEAAABkAAAAAAAAABQAAABAHwAAAAAAACYAAAAAAAAAwOD//wAAAAAmAAAAZAAAABYAAABMAAAAAAAAAAAAAAAEAAAAAAAAAAEAAADn5uYKAAAAACgAAAAoAAAAZAAAAGQAAAAAAAAAzMzMAAAAAABQAAAAUAAAAGQAAABkAAAAAAAAABcAAAAUAAAAAAAAAAAAAAD/fwAA/38AAAAAAAAJAAAABAAAAIazpAseAAAAaAAAAAAAAAAAAAAAAAAAAAAAAAAAAAAAECcAABAnAAAAAAAAAAAAAAAAAAAAAAAAAAAAAAAAAAAAAAAAAAAAABQAAAAAAAAAwMD/AAAAAABkAAAAMgAAAAAAAABkAAAAAAAAAH9/fwAKAAAAIgAAABgAAAAAAAAAAAAAAAAAAAAAAAAAAAAAAAAAAAAkAAAAJAAAAAAAAAAHAAAAAAAAAAAAAAAAAAAAAAAAAAAAAAAAAAAAf39/ACUAAABYAAAAAAAAAAAAAAAAAAAAAAAAAAAAAAAAAAAAAAAAAAAAAAAAAAAAAAAAAAAAAAA/AAAAAAAAAKCGAQAAAAAAAAAAAAAAAAAMAAAAAQAAAAAAAAAAAAAAAAAAAB8AAABUAAAAAAAABQAAAAEAAAAAAAAAAAAAAAAAAAAAAAAAAAAAAAAAAAAAAAAAAAAAAAJ/f38AAAAAA8zMzADAwP8Af39/AAAAAAAAAAAAAAAAAAAAAAAAAAAAIQAAABgAAAAUAAAAwAMAAN8JAACwJAAAViIAABAAAAAmAAAACAAAAD0gAAAAAAAA"/>
               </a:ext>
             </a:extLst>
           </p:cNvSpPr>
@@ -3350,7 +3358,7 @@
             <a:spLocks noGrp="1" noChangeArrowheads="1"/>
             <a:extLst>
               <a:ext uri="smNativeData">
-                <pr:smNativeData xmlns:pr="smNativeData" xmlns="smNativeData" val="SMDATA_15_q5OGZBMAAAAlAAAAZAAAAA0AAAAAAAAAAAAAAAAAAAAAAAAAAAAAAAAAAAAAAAAAAAEAAABQAAAAAAAAAAAA4D8AAAAAAADgPwAAAAAAAOA/AAAAAAAA4D8AAAAAAADgPwAAAAAAAOA/AAAAAAAA4D8AAAAAAADgPwAAAAAAAOA/AAAAAAAA4D8CAAAAjAAAAAAAAAAAAAAARHLEDP///wgAAAAAAAAAAAAAAAAAAAAAAAAAAAAAAAAAAAAAZAAAAAEAAABAAAAAAAAAAAAAAAAAAAAAAAAAAAAAAAAAAAAAAAAAAAAAAAAAAAAAAAAAAAAAAAAAAAAAAAAAAAAAAAAAAAAAAAAAAAAAAAAAAAAAAAAAAAAAAAAAAAAAFAAAADwAAAAAAAAAAAAAAAAAAAkUAAAAAQAAABQAAAAUAAAAFAAAAAEAAAAAAAAAZAAAAGQAAAAAAAAAZAAAAGQAAAAVAAAAYAAAAAAAAAAAAAAADwAAACADAAAAAAAAAAAAAAEAAACgMgAAVgcAAKr4//8BAAAAf39/AAEAAABkAAAAAAAAABQAAABAHwAAAAAAACYAAAAAAAAAwOD//wAAAAAmAAAAZAAAABYAAABMAAAAAAAAAAAAAAAEAAAAAAAAAAEAAADn5uYKAAAAACgAAAAoAAAAZAAAAGQAAAAAAAAAzMzMAAAAAABQAAAAUAAAAGQAAABkAAAAAAAAABcAAAAUAAAAAAAAAAAAAAD/fwAA/38AAAAAAAAJAAAABAAAAAAAAAAeAAAAaAAAAAAAAAAAAAAAAAAAAAAAAAAAAAAAECcAABAnAAAAAAAAAAAAAAAAAAAAAAAAAAAAAAAAAAAAAAAAAAAAABQAAAAAAAAAwMD/AAAAAABkAAAAMgAAAAAAAABkAAAAAAAAAH9/fwAKAAAAIgAAABgAAAAAAAAAAAAAAAAAAAAAAAAAAAAAAAAAAAAkAAAAJAAAAAAAAAAHAAAAAAAAAAAAAAAAAAAAAAAAAAAAAAAAAAAAf39/ACUAAABYAAAAAAAAAAAAAAAAAAAAAAAAAAAAAAAAAAAAAAAAAAAAAAAAAAAAAAAAAAAAAAA/AAAAAAAAAKCGAQAAAAAAAAAAAAAAAAAMAAAAAQAAAAAAAAAAAAAAAAAAAB8AAABUAAAAAAAABQAAAAEAAAAAAAAAAAAAAAAAAAAAAAAAAAAAAAAAAAAAAAAAAAAAAAJ/f38AAAAAA8zMzADAwP8Af39/AAAAAAAAAAAAAAAAAAAAAAAAAAAAIQAAABgAAAAUAAAAViYAAN8JAABGRwAAihUAABAAAAAmAAAACAAAAD0gAAAAAAAA"/>
+                <pr:smNativeData xmlns="smNativeData" xmlns:pr="smNativeData" xmlns:p15="http://schemas.microsoft.com/office/powerpoint/2012/main" xmlns:p14="http://schemas.microsoft.com/office/powerpoint/2010/main" xmlns:mc="http://schemas.openxmlformats.org/markup-compatibility/2006" val="SMDATA_15_q5OGZBMAAAAlAAAAZAAAAA0AAAAAAAAAAAAAAAAAAAAAAAAAAAAAAAAAAAAAAAAAAAEAAABQAAAAAAAAAAAA4D8AAAAAAADgPwAAAAAAAOA/AAAAAAAA4D8AAAAAAADgPwAAAAAAAOA/AAAAAAAA4D8AAAAAAADgPwAAAAAAAOA/AAAAAAAA4D8CAAAAjAAAAAAAAAAAAAAARHLEDP///wgAAAAAAAAAAAAAAAAAAAAAAAAAAAAAAAAAAAAAZAAAAAEAAABAAAAAAAAAAAAAAAAAAAAAAAAAAAAAAAAAAAAAAAAAAAAAAAAAAAAAAAAAAAAAAAAAAAAAAAAAAAAAAAAAAAAAAAAAAAAAAAAAAAAAAAAAAAAAAAAAAAAAFAAAADwAAAAAAAAAAAAAAAAAAAkUAAAAAQAAABQAAAAUAAAAFAAAAAEAAAAAAAAAZAAAAGQAAAAAAAAAZAAAAGQAAAAVAAAAYAAAAAAAAAAAAAAADwAAACADAAAAAAAAAAAAAAEAAACgMgAAVgcAAKr4//8BAAAAf39/AAEAAABkAAAAAAAAABQAAABAHwAAAAAAACYAAAAAAAAAwOD//wAAAAAmAAAAZAAAABYAAABMAAAAAAAAAAAAAAAEAAAAAAAAAAEAAADn5uYKAAAAACgAAAAoAAAAZAAAAGQAAAAAAAAAzMzMAAAAAABQAAAAUAAAAGQAAABkAAAAAAAAABcAAAAUAAAAAAAAAAAAAAD/fwAA/38AAAAAAAAJAAAABAAAAAAAAAAeAAAAaAAAAAAAAAAAAAAAAAAAAAAAAAAAAAAAECcAABAnAAAAAAAAAAAAAAAAAAAAAAAAAAAAAAAAAAAAAAAAAAAAABQAAAAAAAAAwMD/AAAAAABkAAAAMgAAAAAAAABkAAAAAAAAAH9/fwAKAAAAIgAAABgAAAAAAAAAAAAAAAAAAAAAAAAAAAAAAAAAAAAkAAAAJAAAAAAAAAAHAAAAAAAAAAAAAAAAAAAAAAAAAAAAAAAAAAAAf39/ACUAAABYAAAAAAAAAAAAAAAAAAAAAAAAAAAAAAAAAAAAAAAAAAAAAAAAAAAAAAAAAAAAAAA/AAAAAAAAAKCGAQAAAAAAAAAAAAAAAAAMAAAAAQAAAAAAAAAAAAAAAAAAAB8AAABUAAAAAAAABQAAAAEAAAAAAAAAAAAAAAAAAAAAAAAAAAAAAAAAAAAAAAAAAAAAAAJ/f38AAAAAA8zMzADAwP8Af39/AAAAAAAAAAAAAAAAAAAAAAAAAAAAIQAAABgAAAAUAAAAViYAAN8JAABGRwAAihUAABAAAAAmAAAACAAAAD0gAAAAAAAA"/>
               </a:ext>
             </a:extLst>
           </p:cNvSpPr>
@@ -3386,7 +3394,7 @@
             <a:spLocks noGrp="1" noChangeArrowheads="1"/>
             <a:extLst>
               <a:ext uri="smNativeData">
-                <pr:smNativeData xmlns:pr="smNativeData" xmlns="smNativeData" val="SMDATA_15_q5OGZBMAAAAlAAAAZAAAAA0AAAAAAAAAAAAAAAAAAAAAAAAAAAAAAAAAAAAAAAAAAAEAAABQAAAAAAAAAAAA4D8AAAAAAADgPwAAAAAAAOA/AAAAAAAA4D8AAAAAAADgPwAAAAAAAOA/AAAAAAAA4D8AAAAAAADgPwAAAAAAAOA/AAAAAAAA4D8CAAAAjAAAAAAAAAAAAAAARHLEDP///wgAAAAAAAAAAAAAAAAAAAAAAAAAAAAAAAAAAAAAZAAAAAEAAABAAAAAAAAAAAAAAAAAAAAAAAAAAAAAAAAAAAAAAAAAAAAAAAAAAAAAAAAAAAAAAAAAAAAAAAAAAAAAAAAAAAAAAAAAAAAAAAAAAAAAAAAAAAAAAAAAAAAAFAAAADwAAAAAAAAAAAAAAAAAAAkUAAAAAQAAABQAAAAUAAAAFAAAAAEAAAAAAAAAZAAAAGQAAAAAAAAAZAAAAGQAAAAVAAAAYAAAAAAAAAAAAAAADwAAACADAAAAAAAAAAAAAAEAAACgMgAAVgcAAKr4//8BAAAAf39/AAEAAABkAAAAAAAAABQAAABAHwAAAAAAACYAAAAAAAAAwOD//wAAAAAmAAAAZAAAABYAAABMAAAAAAAAAAAAAAAEAAAAAAAAAAEAAADn5uYKAAAAACgAAAAoAAAAZAAAAGQAAAAAAAAAzMzMAAAAAABQAAAAUAAAAGQAAABkAAAAAAAAABcAAAAUAAAAAAAAAAAAAAD/fwAA/38AAAAAAAAJAAAABAAAAAAAAAAeAAAAaAAAAAAAAAAAAAAAAAAAAAAAAAAAAAAAECcAABAnAAAAAAAAAAAAAAAAAAAAAAAAAAAAAAAAAAAAAAAAAAAAABQAAAAAAAAAwMD/AAAAAABkAAAAMgAAAAAAAABkAAAAAAAAAH9/fwAKAAAAIgAAABgAAAAAAAAAAAAAAAAAAAAAAAAAAAAAAAAAAAAkAAAAJAAAAAAAAAAHAAAAAAAAAAAAAAAAAAAAAAAAAAAAAAAAAAAAf39/ACUAAABYAAAAAAAAAAAAAAAAAAAAAAAAAAAAAAAAAAAAAAAAAAAAAAAAAAAAAAAAAAAAAAA/AAAAAAAAAKCGAQAAAAAAAAAAAAAAAAAMAAAAAQAAAAAAAAAAAAAAAAAAAB8AAABUAAAAAAAABQAAAAEAAAAAAAAAAAAAAAAAAAAAAAAAAAAAAAAAAAAAAAAAAAAAAAJ/f38AAAAAA8zMzADAwP8Af39/AAAAAAAAAAAAAAAAAAAAAAAAAAAAIQAAABgAAAAUAAAAViYAAKcWAABGRwAAUiIAABAAAAAmAAAACAAAAD0gAAAAAAAA"/>
+                <pr:smNativeData xmlns="smNativeData" xmlns:pr="smNativeData" xmlns:p15="http://schemas.microsoft.com/office/powerpoint/2012/main" xmlns:p14="http://schemas.microsoft.com/office/powerpoint/2010/main" xmlns:mc="http://schemas.openxmlformats.org/markup-compatibility/2006" val="SMDATA_15_q5OGZBMAAAAlAAAAZAAAAA0AAAAAAAAAAAAAAAAAAAAAAAAAAAAAAAAAAAAAAAAAAAEAAABQAAAAAAAAAAAA4D8AAAAAAADgPwAAAAAAAOA/AAAAAAAA4D8AAAAAAADgPwAAAAAAAOA/AAAAAAAA4D8AAAAAAADgPwAAAAAAAOA/AAAAAAAA4D8CAAAAjAAAAAAAAAAAAAAARHLEDP///wgAAAAAAAAAAAAAAAAAAAAAAAAAAAAAAAAAAAAAZAAAAAEAAABAAAAAAAAAAAAAAAAAAAAAAAAAAAAAAAAAAAAAAAAAAAAAAAAAAAAAAAAAAAAAAAAAAAAAAAAAAAAAAAAAAAAAAAAAAAAAAAAAAAAAAAAAAAAAAAAAAAAAFAAAADwAAAAAAAAAAAAAAAAAAAkUAAAAAQAAABQAAAAUAAAAFAAAAAEAAAAAAAAAZAAAAGQAAAAAAAAAZAAAAGQAAAAVAAAAYAAAAAAAAAAAAAAADwAAACADAAAAAAAAAAAAAAEAAACgMgAAVgcAAKr4//8BAAAAf39/AAEAAABkAAAAAAAAABQAAABAHwAAAAAAACYAAAAAAAAAwOD//wAAAAAmAAAAZAAAABYAAABMAAAAAAAAAAAAAAAEAAAAAAAAAAEAAADn5uYKAAAAACgAAAAoAAAAZAAAAGQAAAAAAAAAzMzMAAAAAABQAAAAUAAAAGQAAABkAAAAAAAAABcAAAAUAAAAAAAAAAAAAAD/fwAA/38AAAAAAAAJAAAABAAAAAAAAAAeAAAAaAAAAAAAAAAAAAAAAAAAAAAAAAAAAAAAECcAABAnAAAAAAAAAAAAAAAAAAAAAAAAAAAAAAAAAAAAAAAAAAAAABQAAAAAAAAAwMD/AAAAAABkAAAAMgAAAAAAAABkAAAAAAAAAH9/fwAKAAAAIgAAABgAAAAAAAAAAAAAAAAAAAAAAAAAAAAAAAAAAAAkAAAAJAAAAAAAAAAHAAAAAAAAAAAAAAAAAAAAAAAAAAAAAAAAAAAAf39/ACUAAABYAAAAAAAAAAAAAAAAAAAAAAAAAAAAAAAAAAAAAAAAAAAAAAAAAAAAAAAAAAAAAAA/AAAAAAAAAKCGAQAAAAAAAAAAAAAAAAAMAAAAAQAAAAAAAAAAAAAAAAAAAB8AAABUAAAAAAAABQAAAAEAAAAAAAAAAAAAAAAAAAAAAAAAAAAAAAAAAAAAAAAAAAAAAAJ/f38AAAAAA8zMzADAwP8Af39/AAAAAAAAAAAAAAAAAAAAAAAAAAAAIQAAABgAAAAUAAAAViYAAKcWAABGRwAAUiIAABAAAAAmAAAACAAAAD0gAAAAAAAA"/>
               </a:ext>
             </a:extLst>
           </p:cNvSpPr>
@@ -3424,7 +3432,7 @@
 </file>
 
 <file path=ppt/slideLayouts/slideLayout33.xml><?xml version="1.0" encoding="utf-8"?>
-<p:sldLayout xmlns:p="http://schemas.openxmlformats.org/presentationml/2006/main" xmlns:mc="http://schemas.openxmlformats.org/markup-compatibility/2006" xmlns:p14="http://schemas.microsoft.com/office/powerpoint/2010/main" xmlns:p15="http://schemas.microsoft.com/office/powerpoint/2012/main" xmlns:r="http://schemas.openxmlformats.org/officeDocument/2006/relationships" xmlns:a="http://schemas.openxmlformats.org/drawingml/2006/main" type="twoObjOverTx" preserve="1">
+<p:sldLayout xmlns:a="http://schemas.openxmlformats.org/drawingml/2006/main" xmlns:r="http://schemas.openxmlformats.org/officeDocument/2006/relationships" xmlns:p="http://schemas.openxmlformats.org/presentationml/2006/main" type="twoObjOverTx" preserve="1">
   <p:cSld name="Title, 2 Content over Content">
     <p:spTree>
       <p:nvGrpSpPr>
@@ -3447,7 +3455,7 @@
             <a:spLocks noGrp="1" noChangeArrowheads="1"/>
             <a:extLst>
               <a:ext uri="smNativeData">
-                <pr:smNativeData xmlns:pr="smNativeData" xmlns="smNativeData" val="SMDATA_15_q5OGZBMAAAAlAAAAZAAAAA0AAAAAAAAAAAAAAAAAAAAAAAAAAAAAAAABAAAAAAAAAAEAAABQAAAAAAAAAAAA4D8AAAAAAADgPwAAAAAAAOA/AAAAAAAA4D8AAAAAAADgPwAAAAAAAOA/AAAAAAAA4D8AAAAAAADgPwAAAAAAAOA/AAAAAAAA4D8CAAAAjAAAAAAAAAAAAAAARHLEDP///wgAAAAAAAAAAAAAAAAAAAAAAAAAAAAAAAAAAAAAZAAAAAEAAABAAAAAAAAAAAAAAAAAAAAAAAAAAAAAAAAAAAAAAAAAAAAAAAAAAAAAAAAAAAAAAAAAAAAAAAAAAAAAAAAAAAAAAAAAAAAAAAAAAAAAAAAAAAAAAAAAAAAAFAAAADwAAAAAAAAAAAAAAAAAAAkUAAAAAQAAABQAAAAUAAAAFAAAAAEAAAAAAAAAZAAAAGQAAAAAAAAAZAAAAGQAAAAVAAAAYAAAAAAAAAAAAAAADwAAACADAAAAAAAAAAAAAAEAAACgMgAAVgcAAKr4//8BAAAAf39/AAEAAABkAAAAAAAAABQAAABAHwAAAAAAACYAAAAAAAAAwOD//wAAAAAmAAAAZAAAABYAAABMAAAAAAAAAAAAAAAEAAAAAAAAAAEAAADn5uYKAAAAACgAAAAoAAAAZAAAAGQAAAAAAAAAzMzMAAAAAABQAAAAUAAAAGQAAABkAAAAAAAAABcAAAAUAAAAAAAAAAAAAAD/fwAA/38AAAAAAAAJAAAABAAAAIazpAseAAAAaAAAAAAAAAAAAAAAAAAAAAAAAAAAAAAAECcAABAnAAAAAAAAAAAAAAAAAAAAAAAAAAAAAAAAAAAAAAAAAAAAABQAAAAAAAAAwMD/AAAAAABkAAAAMgAAAAAAAABkAAAAAAAAAH9/fwAKAAAAIgAAABgAAAAAAAAAAAAAAAAAAAAAAAAAAAAAAAAAAAAkAAAAJAAAAAAAAAAHAAAAAAAAAAAAAAAAAAAAAAAAAAAAAAAAAAAAf39/ACUAAABYAAAAAAAAAAAAAAAAAAAAAAAAAAAAAAAAAAAAAAAAAAAAAAAAAAAAAAAAAAAAAAA/AAAAAAAAAKCGAQAAAAAAAAAAAAAAAAAMAAAAAQAAAAAAAAAAAAAAAAAAAB8AAABUAAAAAAAABQAAAAEAAAAAAAAAAAAAAAAAAAAAAAAAAAAAAAAAAAAAAAAAAAAAAAJ/f38AAAAAA8zMzADAwP8Af39/AAAAAAAAAAAAAAAAAAAAAAAAAAAAIQAAABgAAAAUAAAAwAMAAK8BAAA/RwAAuggAABAAAAAmAAAACAAAADwgAAAAAAAA"/>
+                <pr:smNativeData xmlns="smNativeData" xmlns:pr="smNativeData" xmlns:p15="http://schemas.microsoft.com/office/powerpoint/2012/main" xmlns:p14="http://schemas.microsoft.com/office/powerpoint/2010/main" xmlns:mc="http://schemas.openxmlformats.org/markup-compatibility/2006" val="SMDATA_15_q5OGZBMAAAAlAAAAZAAAAA0AAAAAAAAAAAAAAAAAAAAAAAAAAAAAAAABAAAAAAAAAAEAAABQAAAAAAAAAAAA4D8AAAAAAADgPwAAAAAAAOA/AAAAAAAA4D8AAAAAAADgPwAAAAAAAOA/AAAAAAAA4D8AAAAAAADgPwAAAAAAAOA/AAAAAAAA4D8CAAAAjAAAAAAAAAAAAAAARHLEDP///wgAAAAAAAAAAAAAAAAAAAAAAAAAAAAAAAAAAAAAZAAAAAEAAABAAAAAAAAAAAAAAAAAAAAAAAAAAAAAAAAAAAAAAAAAAAAAAAAAAAAAAAAAAAAAAAAAAAAAAAAAAAAAAAAAAAAAAAAAAAAAAAAAAAAAAAAAAAAAAAAAAAAAFAAAADwAAAAAAAAAAAAAAAAAAAkUAAAAAQAAABQAAAAUAAAAFAAAAAEAAAAAAAAAZAAAAGQAAAAAAAAAZAAAAGQAAAAVAAAAYAAAAAAAAAAAAAAADwAAACADAAAAAAAAAAAAAAEAAACgMgAAVgcAAKr4//8BAAAAf39/AAEAAABkAAAAAAAAABQAAABAHwAAAAAAACYAAAAAAAAAwOD//wAAAAAmAAAAZAAAABYAAABMAAAAAAAAAAAAAAAEAAAAAAAAAAEAAADn5uYKAAAAACgAAAAoAAAAZAAAAGQAAAAAAAAAzMzMAAAAAABQAAAAUAAAAGQAAABkAAAAAAAAABcAAAAUAAAAAAAAAAAAAAD/fwAA/38AAAAAAAAJAAAABAAAAIazpAseAAAAaAAAAAAAAAAAAAAAAAAAAAAAAAAAAAAAECcAABAnAAAAAAAAAAAAAAAAAAAAAAAAAAAAAAAAAAAAAAAAAAAAABQAAAAAAAAAwMD/AAAAAABkAAAAMgAAAAAAAABkAAAAAAAAAH9/fwAKAAAAIgAAABgAAAAAAAAAAAAAAAAAAAAAAAAAAAAAAAAAAAAkAAAAJAAAAAAAAAAHAAAAAAAAAAAAAAAAAAAAAAAAAAAAAAAAAAAAf39/ACUAAABYAAAAAAAAAAAAAAAAAAAAAAAAAAAAAAAAAAAAAAAAAAAAAAAAAAAAAAAAAAAAAAA/AAAAAAAAAKCGAQAAAAAAAAAAAAAAAAAMAAAAAQAAAAAAAAAAAAAAAAAAAB8AAABUAAAAAAAABQAAAAEAAAAAAAAAAAAAAAAAAAAAAAAAAAAAAAAAAAAAAAAAAAAAAAJ/f38AAAAAA8zMzADAwP8Af39/AAAAAAAAAAAAAAAAAAAAAAAAAAAAIQAAABgAAAAUAAAAwAMAAK8BAAA/RwAAuggAABAAAAAmAAAACAAAADwgAAAAAAAA"/>
               </a:ext>
             </a:extLst>
           </p:cNvSpPr>
@@ -3478,7 +3486,7 @@
             <a:spLocks noGrp="1" noChangeArrowheads="1"/>
             <a:extLst>
               <a:ext uri="smNativeData">
-                <pr:smNativeData xmlns:pr="smNativeData" xmlns="smNativeData" val="SMDATA_15_q5OGZBMAAAAlAAAAZAAAAA0AAAAAAAAAAAAAAAAAAAAAAAAAAAAAAAAAAAAAAAAAAAEAAABQAAAAAAAAAAAA4D8AAAAAAADgPwAAAAAAAOA/AAAAAAAA4D8AAAAAAADgPwAAAAAAAOA/AAAAAAAA4D8AAAAAAADgPwAAAAAAAOA/AAAAAAAA4D8CAAAAjAAAAAAAAAAAAAAARHLEDP///wgAAAAAAAAAAAAAAAAAAAAAAAAAAAAAAAAAAAAAZAAAAAEAAABAAAAAAAAAAAAAAAAAAAAAAAAAAAAAAAAAAAAAAAAAAAAAAAAAAAAAAAAAAAAAAAAAAAAAAAAAAAAAAAAAAAAAAAAAAAAAAAAAAAAAAAAAAAAAAAAAAAAAFAAAADwAAAAAAAAAAAAAAAAAAAkUAAAAAQAAABQAAAAUAAAAFAAAAAEAAAAAAAAAZAAAAGQAAAAAAAAAZAAAAGQAAAAVAAAAYAAAAAAAAAAAAAAADwAAACADAAAAAAAAAAAAAAEAAACgMgAAVgcAAKr4//8BAAAAf39/AAEAAABkAAAAAAAAABQAAABAHwAAAAAAACYAAAAAAAAAwOD//wAAAAAmAAAAZAAAABYAAABMAAAAAAAAAAAAAAAEAAAAAAAAAAEAAADn5uYKAAAAACgAAAAoAAAAZAAAAGQAAAAAAAAAzMzMAAAAAABQAAAAUAAAAGQAAABkAAAAAAAAABcAAAAUAAAAAAAAAAAAAAD/fwAA/38AAAAAAAAJAAAABAAAAAAAAAAeAAAAaAAAAAAAAAAAAAAAAAAAAAAAAAAAAAAAECcAABAnAAAAAAAAAAAAAAAAAAAAAAAAAAAAAAAAAAAAAAAAAAAAABQAAAAAAAAAwMD/AAAAAABkAAAAMgAAAAAAAABkAAAAAAAAAH9/fwAKAAAAIgAAABgAAAAAAAAAAAAAAAAAAAAAAAAAAAAAAAAAAAAkAAAAJAAAAAAAAAAHAAAAAAAAAAAAAAAAAAAAAAAAAAAAAAAAAAAAf39/ACUAAABYAAAAAAAAAAAAAAAAAAAAAAAAAAAAAAAAAAAAAAAAAAAAAAAAAAAAAAAAAAAAAAA/AAAAAAAAAKCGAQAAAAAAAAAAAAAAAAAMAAAAAQAAAAAAAAAAAAAAAAAAAB8AAABUAAAAAAAABQAAAAEAAAAAAAAAAAAAAAAAAAAAAAAAAAAAAAAAAAAAAAAAAAAAAAJ/f38AAAAAA8zMzADAwP8Af39/AAAAAAAAAAAAAAAAAAAAAAAAAAAAIQAAABgAAAAUAAAAwAMAAN8JAACwJAAAihUAABAAAAAmAAAACAAAAD0gAAAAAAAA"/>
+                <pr:smNativeData xmlns="smNativeData" xmlns:pr="smNativeData" xmlns:p15="http://schemas.microsoft.com/office/powerpoint/2012/main" xmlns:p14="http://schemas.microsoft.com/office/powerpoint/2010/main" xmlns:mc="http://schemas.openxmlformats.org/markup-compatibility/2006" val="SMDATA_15_q5OGZBMAAAAlAAAAZAAAAA0AAAAAAAAAAAAAAAAAAAAAAAAAAAAAAAAAAAAAAAAAAAEAAABQAAAAAAAAAAAA4D8AAAAAAADgPwAAAAAAAOA/AAAAAAAA4D8AAAAAAADgPwAAAAAAAOA/AAAAAAAA4D8AAAAAAADgPwAAAAAAAOA/AAAAAAAA4D8CAAAAjAAAAAAAAAAAAAAARHLEDP///wgAAAAAAAAAAAAAAAAAAAAAAAAAAAAAAAAAAAAAZAAAAAEAAABAAAAAAAAAAAAAAAAAAAAAAAAAAAAAAAAAAAAAAAAAAAAAAAAAAAAAAAAAAAAAAAAAAAAAAAAAAAAAAAAAAAAAAAAAAAAAAAAAAAAAAAAAAAAAAAAAAAAAFAAAADwAAAAAAAAAAAAAAAAAAAkUAAAAAQAAABQAAAAUAAAAFAAAAAEAAAAAAAAAZAAAAGQAAAAAAAAAZAAAAGQAAAAVAAAAYAAAAAAAAAAAAAAADwAAACADAAAAAAAAAAAAAAEAAACgMgAAVgcAAKr4//8BAAAAf39/AAEAAABkAAAAAAAAABQAAABAHwAAAAAAACYAAAAAAAAAwOD//wAAAAAmAAAAZAAAABYAAABMAAAAAAAAAAAAAAAEAAAAAAAAAAEAAADn5uYKAAAAACgAAAAoAAAAZAAAAGQAAAAAAAAAzMzMAAAAAABQAAAAUAAAAGQAAABkAAAAAAAAABcAAAAUAAAAAAAAAAAAAAD/fwAA/38AAAAAAAAJAAAABAAAAAAAAAAeAAAAaAAAAAAAAAAAAAAAAAAAAAAAAAAAAAAAECcAABAnAAAAAAAAAAAAAAAAAAAAAAAAAAAAAAAAAAAAAAAAAAAAABQAAAAAAAAAwMD/AAAAAABkAAAAMgAAAAAAAABkAAAAAAAAAH9/fwAKAAAAIgAAABgAAAAAAAAAAAAAAAAAAAAAAAAAAAAAAAAAAAAkAAAAJAAAAAAAAAAHAAAAAAAAAAAAAAAAAAAAAAAAAAAAAAAAAAAAf39/ACUAAABYAAAAAAAAAAAAAAAAAAAAAAAAAAAAAAAAAAAAAAAAAAAAAAAAAAAAAAAAAAAAAAA/AAAAAAAAAKCGAQAAAAAAAAAAAAAAAAAMAAAAAQAAAAAAAAAAAAAAAAAAAB8AAABUAAAAAAAABQAAAAEAAAAAAAAAAAAAAAAAAAAAAAAAAAAAAAAAAAAAAAAAAAAAAAJ/f38AAAAAA8zMzADAwP8Af39/AAAAAAAAAAAAAAAAAAAAAAAAAAAAIQAAABgAAAAUAAAAwAMAAN8JAACwJAAAihUAABAAAAAmAAAACAAAAD0gAAAAAAAA"/>
               </a:ext>
             </a:extLst>
           </p:cNvSpPr>
@@ -3514,7 +3522,7 @@
             <a:spLocks noGrp="1" noChangeArrowheads="1"/>
             <a:extLst>
               <a:ext uri="smNativeData">
-                <pr:smNativeData xmlns:pr="smNativeData" xmlns="smNativeData" val="SMDATA_15_q5OGZBMAAAAlAAAAZAAAAA0AAAAAAAAAAAAAAAAAAAAAAAAAAAAAAAAAAAAAAAAAAAEAAABQAAAAAAAAAAAA4D8AAAAAAADgPwAAAAAAAOA/AAAAAAAA4D8AAAAAAADgPwAAAAAAAOA/AAAAAAAA4D8AAAAAAADgPwAAAAAAAOA/AAAAAAAA4D8CAAAAjAAAAAAAAAAAAAAARHLEDP///wgAAAAAAAAAAAAAAAAAAAAAAAAAAAAAAAAAAAAAZAAAAAEAAABAAAAAAAAAAAAAAAAAAAAAAAAAAAAAAAAAAAAAAAAAAAAAAAAAAAAAAAAAAAAAAAAAAAAAAAAAAAAAAAAAAAAAAAAAAAAAAAAAAAAAAAAAAAAAAAAAAAAAFAAAADwAAAAAAAAAAAAAAAAAAAkUAAAAAQAAABQAAAAUAAAAFAAAAAEAAAAAAAAAZAAAAGQAAAAAAAAAZAAAAGQAAAAVAAAAYAAAAAAAAAAAAAAADwAAACADAAAAAAAAAAAAAAEAAACgMgAAVgcAAKr4//8BAAAAf39/AAEAAABkAAAAAAAAABQAAABAHwAAAAAAACYAAAAAAAAAwOD//wAAAAAmAAAAZAAAABYAAABMAAAAAAAAAAAAAAAEAAAAAAAAAAEAAADn5uYKAAAAACgAAAAoAAAAZAAAAGQAAAAAAAAAzMzMAAAAAABQAAAAUAAAAGQAAABkAAAAAAAAABcAAAAUAAAAAAAAAAAAAAD/fwAA/38AAAAAAAAJAAAABAAAAAAAAAAeAAAAaAAAAAAAAAAAAAAAAAAAAAAAAAAAAAAAECcAABAnAAAAAAAAAAAAAAAAAAAAAAAAAAAAAAAAAAAAAAAAAAAAABQAAAAAAAAAwMD/AAAAAABkAAAAMgAAAAAAAABkAAAAAAAAAH9/fwAKAAAAIgAAABgAAAAAAAAAAAAAAAAAAAAAAAAAAAAAAAAAAAAkAAAAJAAAAAAAAAAHAAAAAAAAAAAAAAAAAAAAAAAAAAAAAAAAAAAAf39/ACUAAABYAAAAAAAAAAAAAAAAAAAAAAAAAAAAAAAAAAAAAAAAAAAAAAAAAAAAAAAAAAAAAAA/AAAAAAAAAKCGAQAAAAAAAAAAAAAAAAAMAAAAAQAAAAAAAAAAAAAAAAAAAB8AAABUAAAAAAAABQAAAAEAAAAAAAAAAAAAAAAAAAAAAAAAAAAAAAAAAAAAAAAAAAAAAAJ/f38AAAAAA8zMzADAwP8Af39/AAAAAAAAAAAAAAAAAAAAAAAAAAAAIQAAABgAAAAUAAAAViYAAN8JAABGRwAAihUAABAAAAAmAAAACAAAAD0gAAAAAAAA"/>
+                <pr:smNativeData xmlns="smNativeData" xmlns:pr="smNativeData" xmlns:p15="http://schemas.microsoft.com/office/powerpoint/2012/main" xmlns:p14="http://schemas.microsoft.com/office/powerpoint/2010/main" xmlns:mc="http://schemas.openxmlformats.org/markup-compatibility/2006" val="SMDATA_15_q5OGZBMAAAAlAAAAZAAAAA0AAAAAAAAAAAAAAAAAAAAAAAAAAAAAAAAAAAAAAAAAAAEAAABQAAAAAAAAAAAA4D8AAAAAAADgPwAAAAAAAOA/AAAAAAAA4D8AAAAAAADgPwAAAAAAAOA/AAAAAAAA4D8AAAAAAADgPwAAAAAAAOA/AAAAAAAA4D8CAAAAjAAAAAAAAAAAAAAARHLEDP///wgAAAAAAAAAAAAAAAAAAAAAAAAAAAAAAAAAAAAAZAAAAAEAAABAAAAAAAAAAAAAAAAAAAAAAAAAAAAAAAAAAAAAAAAAAAAAAAAAAAAAAAAAAAAAAAAAAAAAAAAAAAAAAAAAAAAAAAAAAAAAAAAAAAAAAAAAAAAAAAAAAAAAFAAAADwAAAAAAAAAAAAAAAAAAAkUAAAAAQAAABQAAAAUAAAAFAAAAAEAAAAAAAAAZAAAAGQAAAAAAAAAZAAAAGQAAAAVAAAAYAAAAAAAAAAAAAAADwAAACADAAAAAAAAAAAAAAEAAACgMgAAVgcAAKr4//8BAAAAf39/AAEAAABkAAAAAAAAABQAAABAHwAAAAAAACYAAAAAAAAAwOD//wAAAAAmAAAAZAAAABYAAABMAAAAAAAAAAAAAAAEAAAAAAAAAAEAAADn5uYKAAAAACgAAAAoAAAAZAAAAGQAAAAAAAAAzMzMAAAAAABQAAAAUAAAAGQAAABkAAAAAAAAABcAAAAUAAAAAAAAAAAAAAD/fwAA/38AAAAAAAAJAAAABAAAAAAAAAAeAAAAaAAAAAAAAAAAAAAAAAAAAAAAAAAAAAAAECcAABAnAAAAAAAAAAAAAAAAAAAAAAAAAAAAAAAAAAAAAAAAAAAAABQAAAAAAAAAwMD/AAAAAABkAAAAMgAAAAAAAABkAAAAAAAAAH9/fwAKAAAAIgAAABgAAAAAAAAAAAAAAAAAAAAAAAAAAAAAAAAAAAAkAAAAJAAAAAAAAAAHAAAAAAAAAAAAAAAAAAAAAAAAAAAAAAAAAAAAf39/ACUAAABYAAAAAAAAAAAAAAAAAAAAAAAAAAAAAAAAAAAAAAAAAAAAAAAAAAAAAAAAAAAAAAA/AAAAAAAAAKCGAQAAAAAAAAAAAAAAAAAMAAAAAQAAAAAAAAAAAAAAAAAAAB8AAABUAAAAAAAABQAAAAEAAAAAAAAAAAAAAAAAAAAAAAAAAAAAAAAAAAAAAAAAAAAAAAJ/f38AAAAAA8zMzADAwP8Af39/AAAAAAAAAAAAAAAAAAAAAAAAAAAAIQAAABgAAAAUAAAAViYAAN8JAABGRwAAihUAABAAAAAmAAAACAAAAD0gAAAAAAAA"/>
               </a:ext>
             </a:extLst>
           </p:cNvSpPr>
@@ -3550,7 +3558,7 @@
             <a:spLocks noGrp="1" noChangeArrowheads="1"/>
             <a:extLst>
               <a:ext uri="smNativeData">
-                <pr:smNativeData xmlns:pr="smNativeData" xmlns="smNativeData" val="SMDATA_15_q5OGZBMAAAAlAAAAZAAAAA0AAAAAAAAAAAAAAAAAAAAAAAAAAAAAAAAAAAAAAAAAAAEAAABQAAAAAAAAAAAA4D8AAAAAAADgPwAAAAAAAOA/AAAAAAAA4D8AAAAAAADgPwAAAAAAAOA/AAAAAAAA4D8AAAAAAADgPwAAAAAAAOA/AAAAAAAA4D8CAAAAjAAAAAAAAAAAAAAARHLEDP///wgAAAAAAAAAAAAAAAAAAAAAAAAAAAAAAAAAAAAAZAAAAAEAAABAAAAAAAAAAAAAAAAAAAAAAAAAAAAAAAAAAAAAAAAAAAAAAAAAAAAAAAAAAAAAAAAAAAAAAAAAAAAAAAAAAAAAAAAAAAAAAAAAAAAAAAAAAAAAAAAAAAAAFAAAADwAAAAAAAAAAAAAAAAAAAkUAAAAAQAAABQAAAAUAAAAFAAAAAEAAAAAAAAAZAAAAGQAAAAAAAAAZAAAAGQAAAAVAAAAYAAAAAAAAAAAAAAADwAAACADAAAAAAAAAAAAAAEAAACgMgAAVgcAAKr4//8BAAAAf39/AAEAAABkAAAAAAAAABQAAABAHwAAAAAAACYAAAAAAAAAwOD//wAAAAAmAAAAZAAAABYAAABMAAAAAAAAAAAAAAAEAAAAAAAAAAEAAADn5uYKAAAAACgAAAAoAAAAZAAAAGQAAAAAAAAAzMzMAAAAAABQAAAAUAAAAGQAAABkAAAAAAAAABcAAAAUAAAAAAAAAAAAAAD/fwAA/38AAAAAAAAJAAAABAAAAICqcwAeAAAAaAAAAAAAAAAAAAAAAAAAAAAAAAAAAAAAECcAABAnAAAAAAAAAAAAAAAAAAAAAAAAAAAAAAAAAAAAAAAAAAAAABQAAAAAAAAAwMD/AAAAAABkAAAAMgAAAAAAAABkAAAAAAAAAH9/fwAKAAAAIgAAABgAAAAAAAAAAAAAAAAAAAAAAAAAAAAAAAAAAAAkAAAAJAAAAAAAAAAHAAAAAAAAAAAAAAAAAAAAAAAAAAAAAAAAAAAAf39/ACUAAABYAAAAAAAAAAAAAAAAAAAAAAAAAAAAAAAAAAAAAAAAAAAAAAAAAAAAAAAAAAAAAAA/AAAAAAAAAKCGAQAAAAAAAAAAAAAAAAAMAAAAAQAAAAAAAAAAAAAAAAAAAB8AAABUAAAAAAAABQAAAAEAAAAAAAAAAAAAAAAAAAAAAAAAAAAAAAAAAAAAAAAAAAAAAAJ/f38AAAAAA8zMzADAwP8Af39/AAAAAAAAAAAAAAAAAAAAAAAAAAAAIQAAABgAAAAUAAAAwAMAAKcWAAA/RwAAUiIAABAAAAAmAAAACAAAAD0gAAAAAAAA"/>
+                <pr:smNativeData xmlns="smNativeData" xmlns:pr="smNativeData" xmlns:p15="http://schemas.microsoft.com/office/powerpoint/2012/main" xmlns:p14="http://schemas.microsoft.com/office/powerpoint/2010/main" xmlns:mc="http://schemas.openxmlformats.org/markup-compatibility/2006" val="SMDATA_15_q5OGZBMAAAAlAAAAZAAAAA0AAAAAAAAAAAAAAAAAAAAAAAAAAAAAAAAAAAAAAAAAAAEAAABQAAAAAAAAAAAA4D8AAAAAAADgPwAAAAAAAOA/AAAAAAAA4D8AAAAAAADgPwAAAAAAAOA/AAAAAAAA4D8AAAAAAADgPwAAAAAAAOA/AAAAAAAA4D8CAAAAjAAAAAAAAAAAAAAARHLEDP///wgAAAAAAAAAAAAAAAAAAAAAAAAAAAAAAAAAAAAAZAAAAAEAAABAAAAAAAAAAAAAAAAAAAAAAAAAAAAAAAAAAAAAAAAAAAAAAAAAAAAAAAAAAAAAAAAAAAAAAAAAAAAAAAAAAAAAAAAAAAAAAAAAAAAAAAAAAAAAAAAAAAAAFAAAADwAAAAAAAAAAAAAAAAAAAkUAAAAAQAAABQAAAAUAAAAFAAAAAEAAAAAAAAAZAAAAGQAAAAAAAAAZAAAAGQAAAAVAAAAYAAAAAAAAAAAAAAADwAAACADAAAAAAAAAAAAAAEAAACgMgAAVgcAAKr4//8BAAAAf39/AAEAAABkAAAAAAAAABQAAABAHwAAAAAAACYAAAAAAAAAwOD//wAAAAAmAAAAZAAAABYAAABMAAAAAAAAAAAAAAAEAAAAAAAAAAEAAADn5uYKAAAAACgAAAAoAAAAZAAAAGQAAAAAAAAAzMzMAAAAAABQAAAAUAAAAGQAAABkAAAAAAAAABcAAAAUAAAAAAAAAAAAAAD/fwAA/38AAAAAAAAJAAAABAAAAICqcwAeAAAAaAAAAAAAAAAAAAAAAAAAAAAAAAAAAAAAECcAABAnAAAAAAAAAAAAAAAAAAAAAAAAAAAAAAAAAAAAAAAAAAAAABQAAAAAAAAAwMD/AAAAAABkAAAAMgAAAAAAAABkAAAAAAAAAH9/fwAKAAAAIgAAABgAAAAAAAAAAAAAAAAAAAAAAAAAAAAAAAAAAAAkAAAAJAAAAAAAAAAHAAAAAAAAAAAAAAAAAAAAAAAAAAAAAAAAAAAAf39/ACUAAABYAAAAAAAAAAAAAAAAAAAAAAAAAAAAAAAAAAAAAAAAAAAAAAAAAAAAAAAAAAAAAAA/AAAAAAAAAKCGAQAAAAAAAAAAAAAAAAAMAAAAAQAAAAAAAAAAAAAAAAAAAB8AAABUAAAAAAAABQAAAAEAAAAAAAAAAAAAAAAAAAAAAAAAAAAAAAAAAAAAAAAAAAAAAAJ/f38AAAAAA8zMzADAwP8Af39/AAAAAAAAAAAAAAAAAAAAAAAAAAAAIQAAABgAAAAUAAAAwAMAAKcWAAA/RwAAUiIAABAAAAAmAAAACAAAAD0gAAAAAAAA"/>
               </a:ext>
             </a:extLst>
           </p:cNvSpPr>
@@ -3588,7 +3596,7 @@
 </file>
 
 <file path=ppt/slideLayouts/slideLayout34.xml><?xml version="1.0" encoding="utf-8"?>
-<p:sldLayout xmlns:p="http://schemas.openxmlformats.org/presentationml/2006/main" xmlns:mc="http://schemas.openxmlformats.org/markup-compatibility/2006" xmlns:p14="http://schemas.microsoft.com/office/powerpoint/2010/main" xmlns:p15="http://schemas.microsoft.com/office/powerpoint/2012/main" xmlns:r="http://schemas.openxmlformats.org/officeDocument/2006/relationships" xmlns:a="http://schemas.openxmlformats.org/drawingml/2006/main" type="objOverTx" preserve="1">
+<p:sldLayout xmlns:a="http://schemas.openxmlformats.org/drawingml/2006/main" xmlns:r="http://schemas.openxmlformats.org/officeDocument/2006/relationships" xmlns:p="http://schemas.openxmlformats.org/presentationml/2006/main" type="objOverTx" preserve="1">
   <p:cSld name="Title, Content over Content">
     <p:spTree>
       <p:nvGrpSpPr>
@@ -3611,7 +3619,7 @@
             <a:spLocks noGrp="1" noChangeArrowheads="1"/>
             <a:extLst>
               <a:ext uri="smNativeData">
-                <pr:smNativeData xmlns:pr="smNativeData" xmlns="smNativeData" val="SMDATA_15_q5OGZBMAAAAlAAAAZAAAAA0AAAAAAAAAAAAAAAAAAAAAAAAAAAAAAAABAAAAAAAAAAEAAABQAAAAAAAAAAAA4D8AAAAAAADgPwAAAAAAAOA/AAAAAAAA4D8AAAAAAADgPwAAAAAAAOA/AAAAAAAA4D8AAAAAAADgPwAAAAAAAOA/AAAAAAAA4D8CAAAAjAAAAAAAAAAAAAAARHLEDP///wgAAAAAAAAAAAAAAAAAAAAAAAAAAAAAAAAAAAAAZAAAAAEAAABAAAAAAAAAAAAAAAAAAAAAAAAAAAAAAAAAAAAAAAAAAAAAAAAAAAAAAAAAAAAAAAAAAAAAAAAAAAAAAAAAAAAAAAAAAAAAAAAAAAAAAAAAAAAAAAAAAAAAFAAAADwAAAAAAAAAAAAAAAAAAAkUAAAAAQAAABQAAAAUAAAAFAAAAAEAAAAAAAAAZAAAAGQAAAAAAAAAZAAAAGQAAAAVAAAAYAAAAAAAAAAAAAAADwAAACADAAAAAAAAAAAAAAEAAACgMgAAVgcAAKr4//8BAAAAf39/AAEAAABkAAAAAAAAABQAAABAHwAAAAAAACYAAAAAAAAAwOD//wAAAAAmAAAAZAAAABYAAABMAAAAAAAAAAAAAAAEAAAAAAAAAAEAAADn5uYKAAAAACgAAAAoAAAAZAAAAGQAAAAAAAAAzMzMAAAAAABQAAAAUAAAAGQAAABkAAAAAAAAABcAAAAUAAAAAAAAAAAAAAD/fwAA/38AAAAAAAAJAAAABAAAAAAAAAAeAAAAaAAAAAAAAAAAAAAAAAAAAAAAAAAAAAAAECcAABAnAAAAAAAAAAAAAAAAAAAAAAAAAAAAAAAAAAAAAAAAAAAAABQAAAAAAAAAwMD/AAAAAABkAAAAMgAAAAAAAABkAAAAAAAAAH9/fwAKAAAAIgAAABgAAAAAAAAAAAAAAAAAAAAAAAAAAAAAAAAAAAAkAAAAJAAAAAAAAAAHAAAAAAAAAAAAAAAAAAAAAAAAAAAAAAAAAAAAf39/ACUAAABYAAAAAAAAAAAAAAAAAAAAAAAAAAAAAAAAAAAAAAAAAAAAAAAAAAAAAAAAAAAAAAA/AAAAAAAAAKCGAQAAAAAAAAAAAAAAAAAMAAAAAQAAAAAAAAAAAAAAAAAAAB8AAABUAAAAAAAABQAAAAEAAAAAAAAAAAAAAAAAAAAAAAAAAAAAAAAAAAAAAAAAAAAAAAJ/f38AAAAAA8zMzADAwP8Af39/AAAAAAAAAAAAAAAAAAAAAAAAAAAAIQAAABgAAAAUAAAAwAMAAK8BAAA/RwAAuggAABAAAAAmAAAACAAAADwgAAAAAAAA"/>
+                <pr:smNativeData xmlns="smNativeData" xmlns:pr="smNativeData" xmlns:p15="http://schemas.microsoft.com/office/powerpoint/2012/main" xmlns:p14="http://schemas.microsoft.com/office/powerpoint/2010/main" xmlns:mc="http://schemas.openxmlformats.org/markup-compatibility/2006" val="SMDATA_15_q5OGZBMAAAAlAAAAZAAAAA0AAAAAAAAAAAAAAAAAAAAAAAAAAAAAAAABAAAAAAAAAAEAAABQAAAAAAAAAAAA4D8AAAAAAADgPwAAAAAAAOA/AAAAAAAA4D8AAAAAAADgPwAAAAAAAOA/AAAAAAAA4D8AAAAAAADgPwAAAAAAAOA/AAAAAAAA4D8CAAAAjAAAAAAAAAAAAAAARHLEDP///wgAAAAAAAAAAAAAAAAAAAAAAAAAAAAAAAAAAAAAZAAAAAEAAABAAAAAAAAAAAAAAAAAAAAAAAAAAAAAAAAAAAAAAAAAAAAAAAAAAAAAAAAAAAAAAAAAAAAAAAAAAAAAAAAAAAAAAAAAAAAAAAAAAAAAAAAAAAAAAAAAAAAAFAAAADwAAAAAAAAAAAAAAAAAAAkUAAAAAQAAABQAAAAUAAAAFAAAAAEAAAAAAAAAZAAAAGQAAAAAAAAAZAAAAGQAAAAVAAAAYAAAAAAAAAAAAAAADwAAACADAAAAAAAAAAAAAAEAAACgMgAAVgcAAKr4//8BAAAAf39/AAEAAABkAAAAAAAAABQAAABAHwAAAAAAACYAAAAAAAAAwOD//wAAAAAmAAAAZAAAABYAAABMAAAAAAAAAAAAAAAEAAAAAAAAAAEAAADn5uYKAAAAACgAAAAoAAAAZAAAAGQAAAAAAAAAzMzMAAAAAABQAAAAUAAAAGQAAABkAAAAAAAAABcAAAAUAAAAAAAAAAAAAAD/fwAA/38AAAAAAAAJAAAABAAAAAAAAAAeAAAAaAAAAAAAAAAAAAAAAAAAAAAAAAAAAAAAECcAABAnAAAAAAAAAAAAAAAAAAAAAAAAAAAAAAAAAAAAAAAAAAAAABQAAAAAAAAAwMD/AAAAAABkAAAAMgAAAAAAAABkAAAAAAAAAH9/fwAKAAAAIgAAABgAAAAAAAAAAAAAAAAAAAAAAAAAAAAAAAAAAAAkAAAAJAAAAAAAAAAHAAAAAAAAAAAAAAAAAAAAAAAAAAAAAAAAAAAAf39/ACUAAABYAAAAAAAAAAAAAAAAAAAAAAAAAAAAAAAAAAAAAAAAAAAAAAAAAAAAAAAAAAAAAAA/AAAAAAAAAKCGAQAAAAAAAAAAAAAAAAAMAAAAAQAAAAAAAAAAAAAAAAAAAB8AAABUAAAAAAAABQAAAAEAAAAAAAAAAAAAAAAAAAAAAAAAAAAAAAAAAAAAAAAAAAAAAAJ/f38AAAAAA8zMzADAwP8Af39/AAAAAAAAAAAAAAAAAAAAAAAAAAAAIQAAABgAAAAUAAAAwAMAAK8BAAA/RwAAuggAABAAAAAmAAAACAAAADwgAAAAAAAA"/>
               </a:ext>
             </a:extLst>
           </p:cNvSpPr>
@@ -3642,7 +3650,7 @@
             <a:spLocks noGrp="1" noChangeArrowheads="1"/>
             <a:extLst>
               <a:ext uri="smNativeData">
-                <pr:smNativeData xmlns:pr="smNativeData" xmlns="smNativeData" val="SMDATA_15_q5OGZBMAAAAlAAAAZAAAAA0AAAAAAAAAAAAAAAAAAAAAAAAAAAAAAAAAAAAAAAAAAAEAAABQAAAAAAAAAAAA4D8AAAAAAADgPwAAAAAAAOA/AAAAAAAA4D8AAAAAAADgPwAAAAAAAOA/AAAAAAAA4D8AAAAAAADgPwAAAAAAAOA/AAAAAAAA4D8CAAAAjAAAAAAAAAAAAAAARHLEDP///wgAAAAAAAAAAAAAAAAAAAAAAAAAAAAAAAAAAAAAZAAAAAEAAABAAAAAAAAAAAAAAAAAAAAAAAAAAAAAAAAAAAAAAAAAAAAAAAAAAAAAAAAAAAAAAAAAAAAAAAAAAAAAAAAAAAAAAAAAAAAAAAAAAAAAAAAAAAAAAAAAAAAAFAAAADwAAAAAAAAAAAAAAAAAAAkUAAAAAQAAABQAAAAUAAAAFAAAAAEAAAAAAAAAZAAAAGQAAAAAAAAAZAAAAGQAAAAVAAAAYAAAAAAAAAAAAAAADwAAACADAAAAAAAAAAAAAAEAAACgMgAAVgcAAKr4//8BAAAAf39/AAEAAABkAAAAAAAAABQAAABAHwAAAAAAACYAAAAAAAAAwOD//wAAAAAmAAAAZAAAABYAAABMAAAAAAAAAAAAAAAEAAAAAAAAAAEAAADn5uYKAAAAACgAAAAoAAAAZAAAAGQAAAAAAAAAzMzMAAAAAABQAAAAUAAAAGQAAABkAAAAAAAAABcAAAAUAAAAAAAAAAAAAAD/fwAA/38AAAAAAAAJAAAABAAAAAAAAAAeAAAAaAAAAAAAAAAAAAAAAAAAAAAAAAAAAAAAECcAABAnAAAAAAAAAAAAAAAAAAAAAAAAAAAAAAAAAAAAAAAAAAAAABQAAAAAAAAAwMD/AAAAAABkAAAAMgAAAAAAAABkAAAAAAAAAH9/fwAKAAAAIgAAABgAAAAAAAAAAAAAAAAAAAAAAAAAAAAAAAAAAAAkAAAAJAAAAAAAAAAHAAAAAAAAAAAAAAAAAAAAAAAAAAAAAAAAAAAAf39/ACUAAABYAAAAAAAAAAAAAAAAAAAAAAAAAAAAAAAAAAAAAAAAAAAAAAAAAAAAAAAAAAAAAAA/AAAAAAAAAKCGAQAAAAAAAAAAAAAAAAAMAAAAAQAAAAAAAAAAAAAAAAAAAB8AAABUAAAAAAAABQAAAAEAAAAAAAAAAAAAAAAAAAAAAAAAAAAAAAAAAAAAAAAAAAAAAAJ/f38AAAAAA8zMzADAwP8Af39/AAAAAAAAAAAAAAAAAAAAAAAAAAAAIQAAABgAAAAUAAAAwAMAAN8JAAA/RwAAihUAABAAAAAmAAAACAAAAD0gAAAAAAAA"/>
+                <pr:smNativeData xmlns="smNativeData" xmlns:pr="smNativeData" xmlns:p15="http://schemas.microsoft.com/office/powerpoint/2012/main" xmlns:p14="http://schemas.microsoft.com/office/powerpoint/2010/main" xmlns:mc="http://schemas.openxmlformats.org/markup-compatibility/2006" val="SMDATA_15_q5OGZBMAAAAlAAAAZAAAAA0AAAAAAAAAAAAAAAAAAAAAAAAAAAAAAAAAAAAAAAAAAAEAAABQAAAAAAAAAAAA4D8AAAAAAADgPwAAAAAAAOA/AAAAAAAA4D8AAAAAAADgPwAAAAAAAOA/AAAAAAAA4D8AAAAAAADgPwAAAAAAAOA/AAAAAAAA4D8CAAAAjAAAAAAAAAAAAAAARHLEDP///wgAAAAAAAAAAAAAAAAAAAAAAAAAAAAAAAAAAAAAZAAAAAEAAABAAAAAAAAAAAAAAAAAAAAAAAAAAAAAAAAAAAAAAAAAAAAAAAAAAAAAAAAAAAAAAAAAAAAAAAAAAAAAAAAAAAAAAAAAAAAAAAAAAAAAAAAAAAAAAAAAAAAAFAAAADwAAAAAAAAAAAAAAAAAAAkUAAAAAQAAABQAAAAUAAAAFAAAAAEAAAAAAAAAZAAAAGQAAAAAAAAAZAAAAGQAAAAVAAAAYAAAAAAAAAAAAAAADwAAACADAAAAAAAAAAAAAAEAAACgMgAAVgcAAKr4//8BAAAAf39/AAEAAABkAAAAAAAAABQAAABAHwAAAAAAACYAAAAAAAAAwOD//wAAAAAmAAAAZAAAABYAAABMAAAAAAAAAAAAAAAEAAAAAAAAAAEAAADn5uYKAAAAACgAAAAoAAAAZAAAAGQAAAAAAAAAzMzMAAAAAABQAAAAUAAAAGQAAABkAAAAAAAAABcAAAAUAAAAAAAAAAAAAAD/fwAA/38AAAAAAAAJAAAABAAAAAAAAAAeAAAAaAAAAAAAAAAAAAAAAAAAAAAAAAAAAAAAECcAABAnAAAAAAAAAAAAAAAAAAAAAAAAAAAAAAAAAAAAAAAAAAAAABQAAAAAAAAAwMD/AAAAAABkAAAAMgAAAAAAAABkAAAAAAAAAH9/fwAKAAAAIgAAABgAAAAAAAAAAAAAAAAAAAAAAAAAAAAAAAAAAAAkAAAAJAAAAAAAAAAHAAAAAAAAAAAAAAAAAAAAAAAAAAAAAAAAAAAAf39/ACUAAABYAAAAAAAAAAAAAAAAAAAAAAAAAAAAAAAAAAAAAAAAAAAAAAAAAAAAAAAAAAAAAAA/AAAAAAAAAKCGAQAAAAAAAAAAAAAAAAAMAAAAAQAAAAAAAAAAAAAAAAAAAB8AAABUAAAAAAAABQAAAAEAAAAAAAAAAAAAAAAAAAAAAAAAAAAAAAAAAAAAAAAAAAAAAAJ/f38AAAAAA8zMzADAwP8Af39/AAAAAAAAAAAAAAAAAAAAAAAAAAAAIQAAABgAAAAUAAAAwAMAAN8JAAA/RwAAihUAABAAAAAmAAAACAAAAD0gAAAAAAAA"/>
               </a:ext>
             </a:extLst>
           </p:cNvSpPr>
@@ -3678,7 +3686,7 @@
             <a:spLocks noGrp="1" noChangeArrowheads="1"/>
             <a:extLst>
               <a:ext uri="smNativeData">
-                <pr:smNativeData xmlns:pr="smNativeData" xmlns="smNativeData" val="SMDATA_15_q5OGZBMAAAAlAAAAZAAAAA0AAAAAAAAAAAAAAAAAAAAAAAAAAAAAAAAAAAAAAAAAAAEAAABQAAAAAAAAAAAA4D8AAAAAAADgPwAAAAAAAOA/AAAAAAAA4D8AAAAAAADgPwAAAAAAAOA/AAAAAAAA4D8AAAAAAADgPwAAAAAAAOA/AAAAAAAA4D8CAAAAjAAAAAAAAAAAAAAARHLEDP///wgAAAAAAAAAAAAAAAAAAAAAAAAAAAAAAAAAAAAAZAAAAAEAAABAAAAAAAAAAAAAAAAAAAAAAAAAAAAAAAAAAAAAAAAAAAAAAAAAAAAAAAAAAAAAAAAAAAAAAAAAAAAAAAAAAAAAAAAAAAAAAAAAAAAAAAAAAAAAAAAAAAAAFAAAADwAAAAAAAAAAAAAAAAAAAkUAAAAAQAAABQAAAAUAAAAFAAAAAEAAAAAAAAAZAAAAGQAAAAAAAAAZAAAAGQAAAAVAAAAYAAAAAAAAAAAAAAADwAAACADAAAAAAAAAAAAAAEAAACgMgAAVgcAAKr4//8BAAAAf39/AAEAAABkAAAAAAAAABQAAABAHwAAAAAAACYAAAAAAAAAwOD//wAAAAAmAAAAZAAAABYAAABMAAAAAAAAAAAAAAAEAAAAAAAAAAEAAADn5uYKAAAAACgAAAAoAAAAZAAAAGQAAAAAAAAAzMzMAAAAAABQAAAAUAAAAGQAAABkAAAAAAAAABcAAAAUAAAAAAAAAAAAAAD/fwAA/38AAAAAAAAJAAAABAAAAAAAAAAeAAAAaAAAAAAAAAAAAAAAAAAAAAAAAAAAAAAAECcAABAnAAAAAAAAAAAAAAAAAAAAAAAAAAAAAAAAAAAAAAAAAAAAABQAAAAAAAAAwMD/AAAAAABkAAAAMgAAAAAAAABkAAAAAAAAAH9/fwAKAAAAIgAAABgAAAAAAAAAAAAAAAAAAAAAAAAAAAAAAAAAAAAkAAAAJAAAAAAAAAAHAAAAAAAAAAAAAAAAAAAAAAAAAAAAAAAAAAAAf39/ACUAAABYAAAAAAAAAAAAAAAAAAAAAAAAAAAAAAAAAAAAAAAAAAAAAAAAAAAAAAAAAAAAAAA/AAAAAAAAAKCGAQAAAAAAAAAAAAAAAAAMAAAAAQAAAAAAAAAAAAAAAAAAAB8AAABUAAAAAAAABQAAAAEAAAAAAAAAAAAAAAAAAAAAAAAAAAAAAAAAAAAAAAAAAAAAAAJ/f38AAAAAA8zMzADAwP8Af39/AAAAAAAAAAAAAAAAAAAAAAAAAAAAIQAAABgAAAAUAAAAwAMAAKcWAAA/RwAAUiIAABAAAAAmAAAACAAAAD0gAAAAAAAA"/>
+                <pr:smNativeData xmlns="smNativeData" xmlns:pr="smNativeData" xmlns:p15="http://schemas.microsoft.com/office/powerpoint/2012/main" xmlns:p14="http://schemas.microsoft.com/office/powerpoint/2010/main" xmlns:mc="http://schemas.openxmlformats.org/markup-compatibility/2006" val="SMDATA_15_q5OGZBMAAAAlAAAAZAAAAA0AAAAAAAAAAAAAAAAAAAAAAAAAAAAAAAAAAAAAAAAAAAEAAABQAAAAAAAAAAAA4D8AAAAAAADgPwAAAAAAAOA/AAAAAAAA4D8AAAAAAADgPwAAAAAAAOA/AAAAAAAA4D8AAAAAAADgPwAAAAAAAOA/AAAAAAAA4D8CAAAAjAAAAAAAAAAAAAAARHLEDP///wgAAAAAAAAAAAAAAAAAAAAAAAAAAAAAAAAAAAAAZAAAAAEAAABAAAAAAAAAAAAAAAAAAAAAAAAAAAAAAAAAAAAAAAAAAAAAAAAAAAAAAAAAAAAAAAAAAAAAAAAAAAAAAAAAAAAAAAAAAAAAAAAAAAAAAAAAAAAAAAAAAAAAFAAAADwAAAAAAAAAAAAAAAAAAAkUAAAAAQAAABQAAAAUAAAAFAAAAAEAAAAAAAAAZAAAAGQAAAAAAAAAZAAAAGQAAAAVAAAAYAAAAAAAAAAAAAAADwAAACADAAAAAAAAAAAAAAEAAACgMgAAVgcAAKr4//8BAAAAf39/AAEAAABkAAAAAAAAABQAAABAHwAAAAAAACYAAAAAAAAAwOD//wAAAAAmAAAAZAAAABYAAABMAAAAAAAAAAAAAAAEAAAAAAAAAAEAAADn5uYKAAAAACgAAAAoAAAAZAAAAGQAAAAAAAAAzMzMAAAAAABQAAAAUAAAAGQAAABkAAAAAAAAABcAAAAUAAAAAAAAAAAAAAD/fwAA/38AAAAAAAAJAAAABAAAAAAAAAAeAAAAaAAAAAAAAAAAAAAAAAAAAAAAAAAAAAAAECcAABAnAAAAAAAAAAAAAAAAAAAAAAAAAAAAAAAAAAAAAAAAAAAAABQAAAAAAAAAwMD/AAAAAABkAAAAMgAAAAAAAABkAAAAAAAAAH9/fwAKAAAAIgAAABgAAAAAAAAAAAAAAAAAAAAAAAAAAAAAAAAAAAAkAAAAJAAAAAAAAAAHAAAAAAAAAAAAAAAAAAAAAAAAAAAAAAAAAAAAf39/ACUAAABYAAAAAAAAAAAAAAAAAAAAAAAAAAAAAAAAAAAAAAAAAAAAAAAAAAAAAAAAAAAAAAA/AAAAAAAAAKCGAQAAAAAAAAAAAAAAAAAMAAAAAQAAAAAAAAAAAAAAAAAAAB8AAABUAAAAAAAABQAAAAEAAAAAAAAAAAAAAAAAAAAAAAAAAAAAAAAAAAAAAAAAAAAAAAJ/f38AAAAAA8zMzADAwP8Af39/AAAAAAAAAAAAAAAAAAAAAAAAAAAAIQAAABgAAAAUAAAAwAMAAKcWAAA/RwAAUiIAABAAAAAmAAAACAAAAD0gAAAAAAAA"/>
               </a:ext>
             </a:extLst>
           </p:cNvSpPr>
@@ -3716,7 +3724,7 @@
 </file>
 
 <file path=ppt/slideLayouts/slideLayout35.xml><?xml version="1.0" encoding="utf-8"?>
-<p:sldLayout xmlns:p="http://schemas.openxmlformats.org/presentationml/2006/main" xmlns:mc="http://schemas.openxmlformats.org/markup-compatibility/2006" xmlns:p14="http://schemas.microsoft.com/office/powerpoint/2010/main" xmlns:p15="http://schemas.microsoft.com/office/powerpoint/2012/main" xmlns:r="http://schemas.openxmlformats.org/officeDocument/2006/relationships" xmlns:a="http://schemas.openxmlformats.org/drawingml/2006/main" type="fourObj" preserve="1">
+<p:sldLayout xmlns:a="http://schemas.openxmlformats.org/drawingml/2006/main" xmlns:r="http://schemas.openxmlformats.org/officeDocument/2006/relationships" xmlns:p="http://schemas.openxmlformats.org/presentationml/2006/main" type="fourObj" preserve="1">
   <p:cSld name="Title, 4 Content">
     <p:spTree>
       <p:nvGrpSpPr>
@@ -3739,7 +3747,7 @@
             <a:spLocks noGrp="1" noChangeArrowheads="1"/>
             <a:extLst>
               <a:ext uri="smNativeData">
-                <pr:smNativeData xmlns:pr="smNativeData" xmlns="smNativeData" val="SMDATA_15_q5OGZBMAAAAlAAAAZAAAAA0AAAAAAAAAAAAAAAAAAAAAAAAAAAAAAAABAAAAAAAAAAEAAABQAAAAAAAAAAAA4D8AAAAAAADgPwAAAAAAAOA/AAAAAAAA4D8AAAAAAADgPwAAAAAAAOA/AAAAAAAA4D8AAAAAAADgPwAAAAAAAOA/AAAAAAAA4D8CAAAAjAAAAAAAAAAAAAAARHLEDP///wgAAAAAAAAAAAAAAAAAAAAAAAAAAAAAAAAAAAAAZAAAAAEAAABAAAAAAAAAAAAAAAAAAAAAAAAAAAAAAAAAAAAAAAAAAAAAAAAAAAAAAAAAAAAAAAAAAAAAAAAAAAAAAAAAAAAAAAAAAAAAAAAAAAAAAAAAAAAAAAAAAAAAFAAAADwAAAAAAAAAAAAAAAAAAAkUAAAAAQAAABQAAAAUAAAAFAAAAAEAAAAAAAAAZAAAAGQAAAAAAAAAZAAAAGQAAAAVAAAAYAAAAAAAAAAAAAAADwAAACADAAAAAAAAAAAAAAEAAACgMgAAVgcAAKr4//8BAAAAf39/AAEAAABkAAAAAAAAABQAAABAHwAAAAAAACYAAAAAAAAAwOD//wAAAAAmAAAAZAAAABYAAABMAAAAAAAAAAAAAAAEAAAAAAAAAAEAAADn5uYKAAAAACgAAAAoAAAAZAAAAGQAAAAAAAAAzMzMAAAAAABQAAAAUAAAAGQAAABkAAAAAAAAABcAAAAUAAAAAAAAAAAAAAD/fwAA/38AAAAAAAAJAAAABAAAAAAAAAAeAAAAaAAAAAAAAAAAAAAAAAAAAAAAAAAAAAAAECcAABAnAAAAAAAAAAAAAAAAAAAAAAAAAAAAAAAAAAAAAAAAAAAAABQAAAAAAAAAwMD/AAAAAABkAAAAMgAAAAAAAABkAAAAAAAAAH9/fwAKAAAAIgAAABgAAAAAAAAAAAAAAAAAAAAAAAAAAAAAAAAAAAAkAAAAJAAAAAAAAAAHAAAAAAAAAAAAAAAAAAAAAAAAAAAAAAAAAAAAf39/ACUAAABYAAAAAAAAAAAAAAAAAAAAAAAAAAAAAAAAAAAAAAAAAAAAAAAAAAAAAAAAAAAAAAA/AAAAAAAAAKCGAQAAAAAAAAAAAAAAAAAMAAAAAQAAAAAAAAAAAAAAAAAAAB8AAABUAAAAAAAABQAAAAEAAAAAAAAAAAAAAAAAAAAAAAAAAAAAAAAAAAAAAAAAAAAAAAJ/f38AAAAAA8zMzADAwP8Af39/AAAAAAAAAAAAAAAAAAAAAAAAAAAAIQAAABgAAAAUAAAAwAMAAK8BAAA/RwAAuggAABAAAAAmAAAACAAAADwgAAAAAAAA"/>
+                <pr:smNativeData xmlns="smNativeData" xmlns:pr="smNativeData" xmlns:p15="http://schemas.microsoft.com/office/powerpoint/2012/main" xmlns:p14="http://schemas.microsoft.com/office/powerpoint/2010/main" xmlns:mc="http://schemas.openxmlformats.org/markup-compatibility/2006" val="SMDATA_15_q5OGZBMAAAAlAAAAZAAAAA0AAAAAAAAAAAAAAAAAAAAAAAAAAAAAAAABAAAAAAAAAAEAAABQAAAAAAAAAAAA4D8AAAAAAADgPwAAAAAAAOA/AAAAAAAA4D8AAAAAAADgPwAAAAAAAOA/AAAAAAAA4D8AAAAAAADgPwAAAAAAAOA/AAAAAAAA4D8CAAAAjAAAAAAAAAAAAAAARHLEDP///wgAAAAAAAAAAAAAAAAAAAAAAAAAAAAAAAAAAAAAZAAAAAEAAABAAAAAAAAAAAAAAAAAAAAAAAAAAAAAAAAAAAAAAAAAAAAAAAAAAAAAAAAAAAAAAAAAAAAAAAAAAAAAAAAAAAAAAAAAAAAAAAAAAAAAAAAAAAAAAAAAAAAAFAAAADwAAAAAAAAAAAAAAAAAAAkUAAAAAQAAABQAAAAUAAAAFAAAAAEAAAAAAAAAZAAAAGQAAAAAAAAAZAAAAGQAAAAVAAAAYAAAAAAAAAAAAAAADwAAACADAAAAAAAAAAAAAAEAAACgMgAAVgcAAKr4//8BAAAAf39/AAEAAABkAAAAAAAAABQAAABAHwAAAAAAACYAAAAAAAAAwOD//wAAAAAmAAAAZAAAABYAAABMAAAAAAAAAAAAAAAEAAAAAAAAAAEAAADn5uYKAAAAACgAAAAoAAAAZAAAAGQAAAAAAAAAzMzMAAAAAABQAAAAUAAAAGQAAABkAAAAAAAAABcAAAAUAAAAAAAAAAAAAAD/fwAA/38AAAAAAAAJAAAABAAAAAAAAAAeAAAAaAAAAAAAAAAAAAAAAAAAAAAAAAAAAAAAECcAABAnAAAAAAAAAAAAAAAAAAAAAAAAAAAAAAAAAAAAAAAAAAAAABQAAAAAAAAAwMD/AAAAAABkAAAAMgAAAAAAAABkAAAAAAAAAH9/fwAKAAAAIgAAABgAAAAAAAAAAAAAAAAAAAAAAAAAAAAAAAAAAAAkAAAAJAAAAAAAAAAHAAAAAAAAAAAAAAAAAAAAAAAAAAAAAAAAAAAAf39/ACUAAABYAAAAAAAAAAAAAAAAAAAAAAAAAAAAAAAAAAAAAAAAAAAAAAAAAAAAAAAAAAAAAAA/AAAAAAAAAKCGAQAAAAAAAAAAAAAAAAAMAAAAAQAAAAAAAAAAAAAAAAAAAB8AAABUAAAAAAAABQAAAAEAAAAAAAAAAAAAAAAAAAAAAAAAAAAAAAAAAAAAAAAAAAAAAAJ/f38AAAAAA8zMzADAwP8Af39/AAAAAAAAAAAAAAAAAAAAAAAAAAAAIQAAABgAAAAUAAAAwAMAAK8BAAA/RwAAuggAABAAAAAmAAAACAAAADwgAAAAAAAA"/>
               </a:ext>
             </a:extLst>
           </p:cNvSpPr>
@@ -3770,7 +3778,7 @@
             <a:spLocks noGrp="1" noChangeArrowheads="1"/>
             <a:extLst>
               <a:ext uri="smNativeData">
-                <pr:smNativeData xmlns:pr="smNativeData" xmlns="smNativeData" val="SMDATA_15_q5OGZBMAAAAlAAAAZAAAAA0AAAAAAAAAAAAAAAAAAAAAAAAAAAAAAAAAAAAAAAAAAAEAAABQAAAAAAAAAAAA4D8AAAAAAADgPwAAAAAAAOA/AAAAAAAA4D8AAAAAAADgPwAAAAAAAOA/AAAAAAAA4D8AAAAAAADgPwAAAAAAAOA/AAAAAAAA4D8CAAAAjAAAAAAAAAAAAAAARHLEDP///wgAAAAAAAAAAAAAAAAAAAAAAAAAAAAAAAAAAAAAZAAAAAEAAABAAAAAAAAAAAAAAAAAAAAAAAAAAAAAAAAAAAAAAAAAAAAAAAAAAAAAAAAAAAAAAAAAAAAAAAAAAAAAAAAAAAAAAAAAAAAAAAAAAAAAAAAAAAAAAAAAAAAAFAAAADwAAAAAAAAAAAAAAAAAAAkUAAAAAQAAABQAAAAUAAAAFAAAAAEAAAAAAAAAZAAAAGQAAAAAAAAAZAAAAGQAAAAVAAAAYAAAAAAAAAAAAAAADwAAACADAAAAAAAAAAAAAAEAAACgMgAAVgcAAKr4//8BAAAAf39/AAEAAABkAAAAAAAAABQAAABAHwAAAAAAACYAAAAAAAAAwOD//wAAAAAmAAAAZAAAABYAAABMAAAAAAAAAAAAAAAEAAAAAAAAAAEAAADn5uYKAAAAACgAAAAoAAAAZAAAAGQAAAAAAAAAzMzMAAAAAABQAAAAUAAAAGQAAABkAAAAAAAAABcAAAAUAAAAAAAAAAAAAAD/fwAA/38AAAAAAAAJAAAABAAAAAAAAAAeAAAAaAAAAAAAAAAAAAAAAAAAAAAAAAAAAAAAECcAABAnAAAAAAAAAAAAAAAAAAAAAAAAAAAAAAAAAAAAAAAAAAAAABQAAAAAAAAAwMD/AAAAAABkAAAAMgAAAAAAAABkAAAAAAAAAH9/fwAKAAAAIgAAABgAAAAAAAAAAAAAAAAAAAAAAAAAAAAAAAAAAAAkAAAAJAAAAAAAAAAHAAAAAAAAAAAAAAAAAAAAAAAAAAAAAAAAAAAAf39/ACUAAABYAAAAAAAAAAAAAAAAAAAAAAAAAAAAAAAAAAAAAAAAAAAAAAAAAAAAAAAAAAAAAAA/AAAAAAAAAKCGAQAAAAAAAAAAAAAAAAAMAAAAAQAAAAAAAAAAAAAAAAAAAB8AAABUAAAAAAAABQAAAAEAAAAAAAAAAAAAAAAAAAAAAAAAAAAAAAAAAAAAAAAAAAAAAAJ/f38AAAAAA8zMzADAwP8Af39/AAAAAAAAAAAAAAAAAAAAAAAAAAAAIQAAABgAAAAUAAAAwAMAAN8JAACwJAAAihUAABAAAAAmAAAACAAAAD0gAAAAAAAA"/>
+                <pr:smNativeData xmlns="smNativeData" xmlns:pr="smNativeData" xmlns:p15="http://schemas.microsoft.com/office/powerpoint/2012/main" xmlns:p14="http://schemas.microsoft.com/office/powerpoint/2010/main" xmlns:mc="http://schemas.openxmlformats.org/markup-compatibility/2006" val="SMDATA_15_q5OGZBMAAAAlAAAAZAAAAA0AAAAAAAAAAAAAAAAAAAAAAAAAAAAAAAAAAAAAAAAAAAEAAABQAAAAAAAAAAAA4D8AAAAAAADgPwAAAAAAAOA/AAAAAAAA4D8AAAAAAADgPwAAAAAAAOA/AAAAAAAA4D8AAAAAAADgPwAAAAAAAOA/AAAAAAAA4D8CAAAAjAAAAAAAAAAAAAAARHLEDP///wgAAAAAAAAAAAAAAAAAAAAAAAAAAAAAAAAAAAAAZAAAAAEAAABAAAAAAAAAAAAAAAAAAAAAAAAAAAAAAAAAAAAAAAAAAAAAAAAAAAAAAAAAAAAAAAAAAAAAAAAAAAAAAAAAAAAAAAAAAAAAAAAAAAAAAAAAAAAAAAAAAAAAFAAAADwAAAAAAAAAAAAAAAAAAAkUAAAAAQAAABQAAAAUAAAAFAAAAAEAAAAAAAAAZAAAAGQAAAAAAAAAZAAAAGQAAAAVAAAAYAAAAAAAAAAAAAAADwAAACADAAAAAAAAAAAAAAEAAACgMgAAVgcAAKr4//8BAAAAf39/AAEAAABkAAAAAAAAABQAAABAHwAAAAAAACYAAAAAAAAAwOD//wAAAAAmAAAAZAAAABYAAABMAAAAAAAAAAAAAAAEAAAAAAAAAAEAAADn5uYKAAAAACgAAAAoAAAAZAAAAGQAAAAAAAAAzMzMAAAAAABQAAAAUAAAAGQAAABkAAAAAAAAABcAAAAUAAAAAAAAAAAAAAD/fwAA/38AAAAAAAAJAAAABAAAAAAAAAAeAAAAaAAAAAAAAAAAAAAAAAAAAAAAAAAAAAAAECcAABAnAAAAAAAAAAAAAAAAAAAAAAAAAAAAAAAAAAAAAAAAAAAAABQAAAAAAAAAwMD/AAAAAABkAAAAMgAAAAAAAABkAAAAAAAAAH9/fwAKAAAAIgAAABgAAAAAAAAAAAAAAAAAAAAAAAAAAAAAAAAAAAAkAAAAJAAAAAAAAAAHAAAAAAAAAAAAAAAAAAAAAAAAAAAAAAAAAAAAf39/ACUAAABYAAAAAAAAAAAAAAAAAAAAAAAAAAAAAAAAAAAAAAAAAAAAAAAAAAAAAAAAAAAAAAA/AAAAAAAAAKCGAQAAAAAAAAAAAAAAAAAMAAAAAQAAAAAAAAAAAAAAAAAAAB8AAABUAAAAAAAABQAAAAEAAAAAAAAAAAAAAAAAAAAAAAAAAAAAAAAAAAAAAAAAAAAAAAJ/f38AAAAAA8zMzADAwP8Af39/AAAAAAAAAAAAAAAAAAAAAAAAAAAAIQAAABgAAAAUAAAAwAMAAN8JAACwJAAAihUAABAAAAAmAAAACAAAAD0gAAAAAAAA"/>
               </a:ext>
             </a:extLst>
           </p:cNvSpPr>
@@ -3806,7 +3814,7 @@
             <a:spLocks noGrp="1" noChangeArrowheads="1"/>
             <a:extLst>
               <a:ext uri="smNativeData">
-                <pr:smNativeData xmlns:pr="smNativeData" xmlns="smNativeData" val="SMDATA_15_q5OGZBMAAAAlAAAAZAAAAA0AAAAAAAAAAAAAAAAAAAAAAAAAAAAAAAAAAAAAAAAAAAEAAABQAAAAAAAAAAAA4D8AAAAAAADgPwAAAAAAAOA/AAAAAAAA4D8AAAAAAADgPwAAAAAAAOA/AAAAAAAA4D8AAAAAAADgPwAAAAAAAOA/AAAAAAAA4D8CAAAAjAAAAAAAAAAAAAAARHLEDP///wgAAAAAAAAAAAAAAAAAAAAAAAAAAAAAAAAAAAAAZAAAAAEAAABAAAAAAAAAAAAAAAAAAAAAAAAAAAAAAAAAAAAAAAAAAAAAAAAAAAAAAAAAAAAAAAAAAAAAAAAAAAAAAAAAAAAAAAAAAAAAAAAAAAAAAAAAAAAAAAAAAAAAFAAAADwAAAAAAAAAAAAAAAAAAAkUAAAAAQAAABQAAAAUAAAAFAAAAAEAAAAAAAAAZAAAAGQAAAAAAAAAZAAAAGQAAAAVAAAAYAAAAAAAAAAAAAAADwAAACADAAAAAAAAAAAAAAEAAACgMgAAVgcAAKr4//8BAAAAf39/AAEAAABkAAAAAAAAABQAAABAHwAAAAAAACYAAAAAAAAAwOD//wAAAAAmAAAAZAAAABYAAABMAAAAAAAAAAAAAAAEAAAAAAAAAAEAAADn5uYKAAAAACgAAAAoAAAAZAAAAGQAAAAAAAAAzMzMAAAAAABQAAAAUAAAAGQAAABkAAAAAAAAABcAAAAUAAAAAAAAAAAAAAD/fwAA/38AAAAAAAAJAAAABAAAAAAAAAAeAAAAaAAAAAAAAAAAAAAAAAAAAAAAAAAAAAAAECcAABAnAAAAAAAAAAAAAAAAAAAAAAAAAAAAAAAAAAAAAAAAAAAAABQAAAAAAAAAwMD/AAAAAABkAAAAMgAAAAAAAABkAAAAAAAAAH9/fwAKAAAAIgAAABgAAAAAAAAAAAAAAAAAAAAAAAAAAAAAAAAAAAAkAAAAJAAAAAAAAAAHAAAAAAAAAAAAAAAAAAAAAAAAAAAAAAAAAAAAf39/ACUAAABYAAAAAAAAAAAAAAAAAAAAAAAAAAAAAAAAAAAAAAAAAAAAAAAAAAAAAAAAAAAAAAA/AAAAAAAAAKCGAQAAAAAAAAAAAAAAAAAMAAAAAQAAAAAAAAAAAAAAAAAAAB8AAABUAAAAAAAABQAAAAEAAAAAAAAAAAAAAAAAAAAAAAAAAAAAAAAAAAAAAAAAAAAAAAJ/f38AAAAAA8zMzADAwP8Af39/AAAAAAAAAAAAAAAAAAAAAAAAAAAAIQAAABgAAAAUAAAAViYAAN8JAABGRwAAihUAABAAAAAmAAAACAAAAD0gAAAAAAAA"/>
+                <pr:smNativeData xmlns="smNativeData" xmlns:pr="smNativeData" xmlns:p15="http://schemas.microsoft.com/office/powerpoint/2012/main" xmlns:p14="http://schemas.microsoft.com/office/powerpoint/2010/main" xmlns:mc="http://schemas.openxmlformats.org/markup-compatibility/2006" val="SMDATA_15_q5OGZBMAAAAlAAAAZAAAAA0AAAAAAAAAAAAAAAAAAAAAAAAAAAAAAAAAAAAAAAAAAAEAAABQAAAAAAAAAAAA4D8AAAAAAADgPwAAAAAAAOA/AAAAAAAA4D8AAAAAAADgPwAAAAAAAOA/AAAAAAAA4D8AAAAAAADgPwAAAAAAAOA/AAAAAAAA4D8CAAAAjAAAAAAAAAAAAAAARHLEDP///wgAAAAAAAAAAAAAAAAAAAAAAAAAAAAAAAAAAAAAZAAAAAEAAABAAAAAAAAAAAAAAAAAAAAAAAAAAAAAAAAAAAAAAAAAAAAAAAAAAAAAAAAAAAAAAAAAAAAAAAAAAAAAAAAAAAAAAAAAAAAAAAAAAAAAAAAAAAAAAAAAAAAAFAAAADwAAAAAAAAAAAAAAAAAAAkUAAAAAQAAABQAAAAUAAAAFAAAAAEAAAAAAAAAZAAAAGQAAAAAAAAAZAAAAGQAAAAVAAAAYAAAAAAAAAAAAAAADwAAACADAAAAAAAAAAAAAAEAAACgMgAAVgcAAKr4//8BAAAAf39/AAEAAABkAAAAAAAAABQAAABAHwAAAAAAACYAAAAAAAAAwOD//wAAAAAmAAAAZAAAABYAAABMAAAAAAAAAAAAAAAEAAAAAAAAAAEAAADn5uYKAAAAACgAAAAoAAAAZAAAAGQAAAAAAAAAzMzMAAAAAABQAAAAUAAAAGQAAABkAAAAAAAAABcAAAAUAAAAAAAAAAAAAAD/fwAA/38AAAAAAAAJAAAABAAAAAAAAAAeAAAAaAAAAAAAAAAAAAAAAAAAAAAAAAAAAAAAECcAABAnAAAAAAAAAAAAAAAAAAAAAAAAAAAAAAAAAAAAAAAAAAAAABQAAAAAAAAAwMD/AAAAAABkAAAAMgAAAAAAAABkAAAAAAAAAH9/fwAKAAAAIgAAABgAAAAAAAAAAAAAAAAAAAAAAAAAAAAAAAAAAAAkAAAAJAAAAAAAAAAHAAAAAAAAAAAAAAAAAAAAAAAAAAAAAAAAAAAAf39/ACUAAABYAAAAAAAAAAAAAAAAAAAAAAAAAAAAAAAAAAAAAAAAAAAAAAAAAAAAAAAAAAAAAAA/AAAAAAAAAKCGAQAAAAAAAAAAAAAAAAAMAAAAAQAAAAAAAAAAAAAAAAAAAB8AAABUAAAAAAAABQAAAAEAAAAAAAAAAAAAAAAAAAAAAAAAAAAAAAAAAAAAAAAAAAAAAAJ/f38AAAAAA8zMzADAwP8Af39/AAAAAAAAAAAAAAAAAAAAAAAAAAAAIQAAABgAAAAUAAAAViYAAN8JAABGRwAAihUAABAAAAAmAAAACAAAAD0gAAAAAAAA"/>
               </a:ext>
             </a:extLst>
           </p:cNvSpPr>
@@ -3842,7 +3850,7 @@
             <a:spLocks noGrp="1" noChangeArrowheads="1"/>
             <a:extLst>
               <a:ext uri="smNativeData">
-                <pr:smNativeData xmlns:pr="smNativeData" xmlns="smNativeData" val="SMDATA_15_q5OGZBMAAAAlAAAAZAAAAA0AAAAAAAAAAAAAAAAAAAAAAAAAAAAAAAAAAAAAAAAAAAEAAABQAAAAAAAAAAAA4D8AAAAAAADgPwAAAAAAAOA/AAAAAAAA4D8AAAAAAADgPwAAAAAAAOA/AAAAAAAA4D8AAAAAAADgPwAAAAAAAOA/AAAAAAAA4D8CAAAAjAAAAAAAAAAAAAAARHLEDP///wgAAAAAAAAAAAAAAAAAAAAAAAAAAAAAAAAAAAAAZAAAAAEAAABAAAAAAAAAAAAAAAAAAAAAAAAAAAAAAAAAAAAAAAAAAAAAAAAAAAAAAAAAAAAAAAAAAAAAAAAAAAAAAAAAAAAAAAAAAAAAAAAAAAAAAAAAAAAAAAAAAAAAFAAAADwAAAAAAAAAAAAAAAAAAAkUAAAAAQAAABQAAAAUAAAAFAAAAAEAAAAAAAAAZAAAAGQAAAAAAAAAZAAAAGQAAAAVAAAAYAAAAAAAAAAAAAAADwAAACADAAAAAAAAAAAAAAEAAACgMgAAVgcAAKr4//8BAAAAf39/AAEAAABkAAAAAAAAABQAAABAHwAAAAAAACYAAAAAAAAAwOD//wAAAAAmAAAAZAAAABYAAABMAAAAAAAAAAAAAAAEAAAAAAAAAAEAAADn5uYKAAAAACgAAAAoAAAAZAAAAGQAAAAAAAAAzMzMAAAAAABQAAAAUAAAAGQAAABkAAAAAAAAABcAAAAUAAAAAAAAAAAAAAD/fwAA/38AAAAAAAAJAAAABAAAAAAAAAAeAAAAaAAAAAAAAAAAAAAAAAAAAAAAAAAAAAAAECcAABAnAAAAAAAAAAAAAAAAAAAAAAAAAAAAAAAAAAAAAAAAAAAAABQAAAAAAAAAwMD/AAAAAABkAAAAMgAAAAAAAABkAAAAAAAAAH9/fwAKAAAAIgAAABgAAAAAAAAAAAAAAAAAAAAAAAAAAAAAAAAAAAAkAAAAJAAAAAAAAAAHAAAAAAAAAAAAAAAAAAAAAAAAAAAAAAAAAAAAf39/ACUAAABYAAAAAAAAAAAAAAAAAAAAAAAAAAAAAAAAAAAAAAAAAAAAAAAAAAAAAAAAAAAAAAA/AAAAAAAAAKCGAQAAAAAAAAAAAAAAAAAMAAAAAQAAAAAAAAAAAAAAAAAAAB8AAABUAAAAAAAABQAAAAEAAAAAAAAAAAAAAAAAAAAAAAAAAAAAAAAAAAAAAAAAAAAAAAJ/f38AAAAAA8zMzADAwP8Af39/AAAAAAAAAAAAAAAAAAAAAAAAAAAAIQAAABgAAAAUAAAAwAMAAKcWAACwJAAAUiIAABAAAAAmAAAACAAAAD0gAAAAAAAA"/>
+                <pr:smNativeData xmlns="smNativeData" xmlns:pr="smNativeData" xmlns:p15="http://schemas.microsoft.com/office/powerpoint/2012/main" xmlns:p14="http://schemas.microsoft.com/office/powerpoint/2010/main" xmlns:mc="http://schemas.openxmlformats.org/markup-compatibility/2006" val="SMDATA_15_q5OGZBMAAAAlAAAAZAAAAA0AAAAAAAAAAAAAAAAAAAAAAAAAAAAAAAAAAAAAAAAAAAEAAABQAAAAAAAAAAAA4D8AAAAAAADgPwAAAAAAAOA/AAAAAAAA4D8AAAAAAADgPwAAAAAAAOA/AAAAAAAA4D8AAAAAAADgPwAAAAAAAOA/AAAAAAAA4D8CAAAAjAAAAAAAAAAAAAAARHLEDP///wgAAAAAAAAAAAAAAAAAAAAAAAAAAAAAAAAAAAAAZAAAAAEAAABAAAAAAAAAAAAAAAAAAAAAAAAAAAAAAAAAAAAAAAAAAAAAAAAAAAAAAAAAAAAAAAAAAAAAAAAAAAAAAAAAAAAAAAAAAAAAAAAAAAAAAAAAAAAAAAAAAAAAFAAAADwAAAAAAAAAAAAAAAAAAAkUAAAAAQAAABQAAAAUAAAAFAAAAAEAAAAAAAAAZAAAAGQAAAAAAAAAZAAAAGQAAAAVAAAAYAAAAAAAAAAAAAAADwAAACADAAAAAAAAAAAAAAEAAACgMgAAVgcAAKr4//8BAAAAf39/AAEAAABkAAAAAAAAABQAAABAHwAAAAAAACYAAAAAAAAAwOD//wAAAAAmAAAAZAAAABYAAABMAAAAAAAAAAAAAAAEAAAAAAAAAAEAAADn5uYKAAAAACgAAAAoAAAAZAAAAGQAAAAAAAAAzMzMAAAAAABQAAAAUAAAAGQAAABkAAAAAAAAABcAAAAUAAAAAAAAAAAAAAD/fwAA/38AAAAAAAAJAAAABAAAAAAAAAAeAAAAaAAAAAAAAAAAAAAAAAAAAAAAAAAAAAAAECcAABAnAAAAAAAAAAAAAAAAAAAAAAAAAAAAAAAAAAAAAAAAAAAAABQAAAAAAAAAwMD/AAAAAABkAAAAMgAAAAAAAABkAAAAAAAAAH9/fwAKAAAAIgAAABgAAAAAAAAAAAAAAAAAAAAAAAAAAAAAAAAAAAAkAAAAJAAAAAAAAAAHAAAAAAAAAAAAAAAAAAAAAAAAAAAAAAAAAAAAf39/ACUAAABYAAAAAAAAAAAAAAAAAAAAAAAAAAAAAAAAAAAAAAAAAAAAAAAAAAAAAAAAAAAAAAA/AAAAAAAAAKCGAQAAAAAAAAAAAAAAAAAMAAAAAQAAAAAAAAAAAAAAAAAAAB8AAABUAAAAAAAABQAAAAEAAAAAAAAAAAAAAAAAAAAAAAAAAAAAAAAAAAAAAAAAAAAAAAJ/f38AAAAAA8zMzADAwP8Af39/AAAAAAAAAAAAAAAAAAAAAAAAAAAAIQAAABgAAAAUAAAAwAMAAKcWAACwJAAAUiIAABAAAAAmAAAACAAAAD0gAAAAAAAA"/>
               </a:ext>
             </a:extLst>
           </p:cNvSpPr>
@@ -3878,7 +3886,7 @@
             <a:spLocks noGrp="1" noChangeArrowheads="1"/>
             <a:extLst>
               <a:ext uri="smNativeData">
-                <pr:smNativeData xmlns:pr="smNativeData" xmlns="smNativeData" val="SMDATA_15_q5OGZBMAAAAlAAAAZAAAAA0AAAAAAAAAAAAAAAAAAAAAAAAAAAAAAAAAAAAAAAAAAAEAAABQAAAAAAAAAAAA4D8AAAAAAADgPwAAAAAAAOA/AAAAAAAA4D8AAAAAAADgPwAAAAAAAOA/AAAAAAAA4D8AAAAAAADgPwAAAAAAAOA/AAAAAAAA4D8CAAAAjAAAAAAAAAAAAAAARHLEDP///wgAAAAAAAAAAAAAAAAAAAAAAAAAAAAAAAAAAAAAZAAAAAEAAABAAAAAAAAAAAAAAAAAAAAAAAAAAAAAAAAAAAAAAAAAAAAAAAAAAAAAAAAAAAAAAAAAAAAAAAAAAAAAAAAAAAAAAAAAAAAAAAAAAAAAAAAAAAAAAAAAAAAAFAAAADwAAAAAAAAAAAAAAAAAAAkUAAAAAQAAABQAAAAUAAAAFAAAAAEAAAAAAAAAZAAAAGQAAAAAAAAAZAAAAGQAAAAVAAAAYAAAAAAAAAAAAAAADwAAACADAAAAAAAAAAAAAAEAAACgMgAAVgcAAKr4//8BAAAAf39/AAEAAABkAAAAAAAAABQAAABAHwAAAAAAACYAAAAAAAAAwOD//wAAAAAmAAAAZAAAABYAAABMAAAAAAAAAAAAAAAEAAAAAAAAAAEAAADn5uYKAAAAACgAAAAoAAAAZAAAAGQAAAAAAAAAzMzMAAAAAABQAAAAUAAAAGQAAABkAAAAAAAAABcAAAAUAAAAAAAAAAAAAAD/fwAA/38AAAAAAAAJAAAABAAAAAAAAAAeAAAAaAAAAAAAAAAAAAAAAAAAAAAAAAAAAAAAECcAABAnAAAAAAAAAAAAAAAAAAAAAAAAAAAAAAAAAAAAAAAAAAAAABQAAAAAAAAAwMD/AAAAAABkAAAAMgAAAAAAAABkAAAAAAAAAH9/fwAKAAAAIgAAABgAAAAAAAAAAAAAAAAAAAAAAAAAAAAAAAAAAAAkAAAAJAAAAAAAAAAHAAAAAAAAAAAAAAAAAAAAAAAAAAAAAAAAAAAAf39/ACUAAABYAAAAAAAAAAAAAAAAAAAAAAAAAAAAAAAAAAAAAAAAAAAAAAAAAAAAAAAAAAAAAAA/AAAAAAAAAKCGAQAAAAAAAAAAAAAAAAAMAAAAAQAAAAAAAAAAAAAAAAAAAB8AAABUAAAAAAAABQAAAAEAAAAAAAAAAAAAAAAAAAAAAAAAAAAAAAAAAAAAAAAAAAAAAAJ/f38AAAAAA8zMzADAwP8Af39/AAAAAAAAAAAAAAAAAAAAAAAAAAAAIQAAABgAAAAUAAAAViYAAKcWAABGRwAAUiIAABAAAAAmAAAACAAAAD0gAAAAAAAA"/>
+                <pr:smNativeData xmlns="smNativeData" xmlns:pr="smNativeData" xmlns:p15="http://schemas.microsoft.com/office/powerpoint/2012/main" xmlns:p14="http://schemas.microsoft.com/office/powerpoint/2010/main" xmlns:mc="http://schemas.openxmlformats.org/markup-compatibility/2006" val="SMDATA_15_q5OGZBMAAAAlAAAAZAAAAA0AAAAAAAAAAAAAAAAAAAAAAAAAAAAAAAAAAAAAAAAAAAEAAABQAAAAAAAAAAAA4D8AAAAAAADgPwAAAAAAAOA/AAAAAAAA4D8AAAAAAADgPwAAAAAAAOA/AAAAAAAA4D8AAAAAAADgPwAAAAAAAOA/AAAAAAAA4D8CAAAAjAAAAAAAAAAAAAAARHLEDP///wgAAAAAAAAAAAAAAAAAAAAAAAAAAAAAAAAAAAAAZAAAAAEAAABAAAAAAAAAAAAAAAAAAAAAAAAAAAAAAAAAAAAAAAAAAAAAAAAAAAAAAAAAAAAAAAAAAAAAAAAAAAAAAAAAAAAAAAAAAAAAAAAAAAAAAAAAAAAAAAAAAAAAFAAAADwAAAAAAAAAAAAAAAAAAAkUAAAAAQAAABQAAAAUAAAAFAAAAAEAAAAAAAAAZAAAAGQAAAAAAAAAZAAAAGQAAAAVAAAAYAAAAAAAAAAAAAAADwAAACADAAAAAAAAAAAAAAEAAACgMgAAVgcAAKr4//8BAAAAf39/AAEAAABkAAAAAAAAABQAAABAHwAAAAAAACYAAAAAAAAAwOD//wAAAAAmAAAAZAAAABYAAABMAAAAAAAAAAAAAAAEAAAAAAAAAAEAAADn5uYKAAAAACgAAAAoAAAAZAAAAGQAAAAAAAAAzMzMAAAAAABQAAAAUAAAAGQAAABkAAAAAAAAABcAAAAUAAAAAAAAAAAAAAD/fwAA/38AAAAAAAAJAAAABAAAAAAAAAAeAAAAaAAAAAAAAAAAAAAAAAAAAAAAAAAAAAAAECcAABAnAAAAAAAAAAAAAAAAAAAAAAAAAAAAAAAAAAAAAAAAAAAAABQAAAAAAAAAwMD/AAAAAABkAAAAMgAAAAAAAABkAAAAAAAAAH9/fwAKAAAAIgAAABgAAAAAAAAAAAAAAAAAAAAAAAAAAAAAAAAAAAAkAAAAJAAAAAAAAAAHAAAAAAAAAAAAAAAAAAAAAAAAAAAAAAAAAAAAf39/ACUAAABYAAAAAAAAAAAAAAAAAAAAAAAAAAAAAAAAAAAAAAAAAAAAAAAAAAAAAAAAAAAAAAA/AAAAAAAAAKCGAQAAAAAAAAAAAAAAAAAMAAAAAQAAAAAAAAAAAAAAAAAAAB8AAABUAAAAAAAABQAAAAEAAAAAAAAAAAAAAAAAAAAAAAAAAAAAAAAAAAAAAAAAAAAAAAJ/f38AAAAAA8zMzADAwP8Af39/AAAAAAAAAAAAAAAAAAAAAAAAAAAAIQAAABgAAAAUAAAAViYAAKcWAABGRwAAUiIAABAAAAAmAAAACAAAAD0gAAAAAAAA"/>
               </a:ext>
             </a:extLst>
           </p:cNvSpPr>
@@ -3916,7 +3924,7 @@
 </file>
 
 <file path=ppt/slideLayouts/slideLayout36.xml><?xml version="1.0" encoding="utf-8"?>
-<p:sldLayout xmlns:p="http://schemas.openxmlformats.org/presentationml/2006/main" xmlns:mc="http://schemas.openxmlformats.org/markup-compatibility/2006" xmlns:p14="http://schemas.microsoft.com/office/powerpoint/2010/main" xmlns:p15="http://schemas.microsoft.com/office/powerpoint/2012/main" xmlns:r="http://schemas.openxmlformats.org/officeDocument/2006/relationships" xmlns:a="http://schemas.openxmlformats.org/drawingml/2006/main" type="blank" preserve="1">
+<p:sldLayout xmlns:a="http://schemas.openxmlformats.org/drawingml/2006/main" xmlns:r="http://schemas.openxmlformats.org/officeDocument/2006/relationships" xmlns:p="http://schemas.openxmlformats.org/presentationml/2006/main" type="blank" preserve="1">
   <p:cSld name="Title, 6 Content">
     <p:spTree>
       <p:nvGrpSpPr>
@@ -3939,7 +3947,7 @@
             <a:spLocks noGrp="1" noChangeArrowheads="1"/>
             <a:extLst>
               <a:ext uri="smNativeData">
-                <pr:smNativeData xmlns:pr="smNativeData" xmlns="smNativeData" val="SMDATA_15_q5OGZBMAAAAlAAAAZAAAAA0AAAAAAAAAAAAAAAAAAAAAAAAAAAAAAAABAAAAAAAAAAEAAABQAAAAAAAAAAAA4D8AAAAAAADgPwAAAAAAAOA/AAAAAAAA4D8AAAAAAADgPwAAAAAAAOA/AAAAAAAA4D8AAAAAAADgPwAAAAAAAOA/AAAAAAAA4D8CAAAAjAAAAAAAAAAAAAAARHLEDP///wgAAAAAAAAAAAAAAAAAAAAAAAAAAAAAAAAAAAAAZAAAAAEAAABAAAAAAAAAAAAAAAAAAAAAAAAAAAAAAAAAAAAAAAAAAAAAAAAAAAAAAAAAAAAAAAAAAAAAAAAAAAAAAAAAAAAAAAAAAAAAAAAAAAAAAAAAAAAAAAAAAAAAFAAAADwAAAAAAAAAAAAAAAAAAAkUAAAAAQAAABQAAAAUAAAAFAAAAAEAAAAAAAAAZAAAAGQAAAAAAAAAZAAAAGQAAAAVAAAAYAAAAAAAAAAAAAAADwAAACADAAAAAAAAAAAAAAEAAACgMgAAVgcAAKr4//8BAAAAf39/AAEAAABkAAAAAAAAABQAAABAHwAAAAAAACYAAAAAAAAAwOD//wAAAAAmAAAAZAAAABYAAABMAAAAAAAAAAAAAAAEAAAAAAAAAAEAAADn5uYKAAAAACgAAAAoAAAAZAAAAGQAAAAAAAAAzMzMAAAAAABQAAAAUAAAAGQAAABkAAAAAAAAABcAAAAUAAAAAAAAAAAAAAD/fwAA/38AAAAAAAAJAAAABAAAAAAAAAAeAAAAaAAAAAAAAAAAAAAAAAAAAAAAAAAAAAAAECcAABAnAAAAAAAAAAAAAAAAAAAAAAAAAAAAAAAAAAAAAAAAAAAAABQAAAAAAAAAwMD/AAAAAABkAAAAMgAAAAAAAABkAAAAAAAAAH9/fwAKAAAAIgAAABgAAAAAAAAAAAAAAAAAAAAAAAAAAAAAAAAAAAAkAAAAJAAAAAAAAAAHAAAAAAAAAAAAAAAAAAAAAAAAAAAAAAAAAAAAf39/ACUAAABYAAAAAAAAAAAAAAAAAAAAAAAAAAAAAAAAAAAAAAAAAAAAAAAAAAAAAAAAAAAAAAA/AAAAAAAAAKCGAQAAAAAAAAAAAAAAAAAMAAAAAQAAAAAAAAAAAAAAAAAAAB8AAABUAAAAAAAABQAAAAEAAAAAAAAAAAAAAAAAAAAAAAAAAAAAAAAAAAAAAAAAAAAAAAJ/f38AAAAAA8zMzADAwP8Af39/AAAAAAAAAAAAAAAAAAAAAAAAAAAAIQAAABgAAAAUAAAAwAMAAK8BAAA/RwAAuggAABAAAAAmAAAACAAAADwgAAAAAAAA"/>
+                <pr:smNativeData xmlns="smNativeData" xmlns:pr="smNativeData" xmlns:p15="http://schemas.microsoft.com/office/powerpoint/2012/main" xmlns:p14="http://schemas.microsoft.com/office/powerpoint/2010/main" xmlns:mc="http://schemas.openxmlformats.org/markup-compatibility/2006" val="SMDATA_15_q5OGZBMAAAAlAAAAZAAAAA0AAAAAAAAAAAAAAAAAAAAAAAAAAAAAAAABAAAAAAAAAAEAAABQAAAAAAAAAAAA4D8AAAAAAADgPwAAAAAAAOA/AAAAAAAA4D8AAAAAAADgPwAAAAAAAOA/AAAAAAAA4D8AAAAAAADgPwAAAAAAAOA/AAAAAAAA4D8CAAAAjAAAAAAAAAAAAAAARHLEDP///wgAAAAAAAAAAAAAAAAAAAAAAAAAAAAAAAAAAAAAZAAAAAEAAABAAAAAAAAAAAAAAAAAAAAAAAAAAAAAAAAAAAAAAAAAAAAAAAAAAAAAAAAAAAAAAAAAAAAAAAAAAAAAAAAAAAAAAAAAAAAAAAAAAAAAAAAAAAAAAAAAAAAAFAAAADwAAAAAAAAAAAAAAAAAAAkUAAAAAQAAABQAAAAUAAAAFAAAAAEAAAAAAAAAZAAAAGQAAAAAAAAAZAAAAGQAAAAVAAAAYAAAAAAAAAAAAAAADwAAACADAAAAAAAAAAAAAAEAAACgMgAAVgcAAKr4//8BAAAAf39/AAEAAABkAAAAAAAAABQAAABAHwAAAAAAACYAAAAAAAAAwOD//wAAAAAmAAAAZAAAABYAAABMAAAAAAAAAAAAAAAEAAAAAAAAAAEAAADn5uYKAAAAACgAAAAoAAAAZAAAAGQAAAAAAAAAzMzMAAAAAABQAAAAUAAAAGQAAABkAAAAAAAAABcAAAAUAAAAAAAAAAAAAAD/fwAA/38AAAAAAAAJAAAABAAAAAAAAAAeAAAAaAAAAAAAAAAAAAAAAAAAAAAAAAAAAAAAECcAABAnAAAAAAAAAAAAAAAAAAAAAAAAAAAAAAAAAAAAAAAAAAAAABQAAAAAAAAAwMD/AAAAAABkAAAAMgAAAAAAAABkAAAAAAAAAH9/fwAKAAAAIgAAABgAAAAAAAAAAAAAAAAAAAAAAAAAAAAAAAAAAAAkAAAAJAAAAAAAAAAHAAAAAAAAAAAAAAAAAAAAAAAAAAAAAAAAAAAAf39/ACUAAABYAAAAAAAAAAAAAAAAAAAAAAAAAAAAAAAAAAAAAAAAAAAAAAAAAAAAAAAAAAAAAAA/AAAAAAAAAKCGAQAAAAAAAAAAAAAAAAAMAAAAAQAAAAAAAAAAAAAAAAAAAB8AAABUAAAAAAAABQAAAAEAAAAAAAAAAAAAAAAAAAAAAAAAAAAAAAAAAAAAAAAAAAAAAAJ/f38AAAAAA8zMzADAwP8Af39/AAAAAAAAAAAAAAAAAAAAAAAAAAAAIQAAABgAAAAUAAAAwAMAAK8BAAA/RwAAuggAABAAAAAmAAAACAAAADwgAAAAAAAA"/>
               </a:ext>
             </a:extLst>
           </p:cNvSpPr>
@@ -3970,7 +3978,7 @@
             <a:spLocks noGrp="1" noChangeArrowheads="1"/>
             <a:extLst>
               <a:ext uri="smNativeData">
-                <pr:smNativeData xmlns:pr="smNativeData" xmlns="smNativeData" val="SMDATA_15_q5OGZBMAAAAlAAAAZAAAAA0AAAAAAAAAAAAAAAAAAAAAAAAAAAAAAAAAAAAAAAAAAAEAAABQAAAAAAAAAAAA4D8AAAAAAADgPwAAAAAAAOA/AAAAAAAA4D8AAAAAAADgPwAAAAAAAOA/AAAAAAAA4D8AAAAAAADgPwAAAAAAAOA/AAAAAAAA4D8CAAAAjAAAAAAAAAAAAAAARHLEDP///wgAAAAAAAAAAAAAAAAAAAAAAAAAAAAAAAAAAAAAZAAAAAEAAABAAAAAAAAAAAAAAAAAAAAAAAAAAAAAAAAAAAAAAAAAAAAAAAAAAAAAAAAAAAAAAAAAAAAAAAAAAAAAAAAAAAAAAAAAAAAAAAAAAAAAAAAAAAAAAAAAAAAAFAAAADwAAAAAAAAAAAAAAAAAAAkUAAAAAQAAABQAAAAUAAAAFAAAAAEAAAAAAAAAZAAAAGQAAAAAAAAAZAAAAGQAAAAVAAAAYAAAAAAAAAAAAAAADwAAACADAAAAAAAAAAAAAAEAAACgMgAAVgcAAKr4//8BAAAAf39/AAEAAABkAAAAAAAAABQAAABAHwAAAAAAACYAAAAAAAAAwOD//wAAAAAmAAAAZAAAABYAAABMAAAAAAAAAAAAAAAEAAAAAAAAAAEAAADn5uYKAAAAACgAAAAoAAAAZAAAAGQAAAAAAAAAzMzMAAAAAABQAAAAUAAAAGQAAABkAAAAAAAAABcAAAAUAAAAAAAAAAAAAAD/fwAA/38AAAAAAAAJAAAABAAAAAAAAAAeAAAAaAAAAAAAAAAAAAAAAAAAAAAAAAAAAAAAECcAABAnAAAAAAAAAAAAAAAAAAAAAAAAAAAAAAAAAAAAAAAAAAAAABQAAAAAAAAAwMD/AAAAAABkAAAAMgAAAAAAAABkAAAAAAAAAH9/fwAKAAAAIgAAABgAAAAAAAAAAAAAAAAAAAAAAAAAAAAAAAAAAAAkAAAAJAAAAAAAAAAHAAAAAAAAAAAAAAAAAAAAAAAAAAAAAAAAAAAAf39/ACUAAABYAAAAAAAAAAAAAAAAAAAAAAAAAAAAAAAAAAAAAAAAAAAAAAAAAAAAAAAAAAAAAAA/AAAAAAAAAKCGAQAAAAAAAAAAAAAAAAAMAAAAAQAAAAAAAAAAAAAAAAAAAB8AAABUAAAAAAAABQAAAAEAAAAAAAAAAAAAAAAAAAAAAAAAAAAAAAAAAAAAAAAAAAAAAAJ/f38AAAAAA8zMzADAwP8Af39/AAAAAAAAAAAAAAAAAAAAAAAAAAAAIQAAABgAAAAUAAAAwAMAAN8JAAB8GQAAihUAABAAAAAmAAAACAAAAD0gAAAAAAAA"/>
+                <pr:smNativeData xmlns="smNativeData" xmlns:pr="smNativeData" xmlns:p15="http://schemas.microsoft.com/office/powerpoint/2012/main" xmlns:p14="http://schemas.microsoft.com/office/powerpoint/2010/main" xmlns:mc="http://schemas.openxmlformats.org/markup-compatibility/2006" val="SMDATA_15_q5OGZBMAAAAlAAAAZAAAAA0AAAAAAAAAAAAAAAAAAAAAAAAAAAAAAAAAAAAAAAAAAAEAAABQAAAAAAAAAAAA4D8AAAAAAADgPwAAAAAAAOA/AAAAAAAA4D8AAAAAAADgPwAAAAAAAOA/AAAAAAAA4D8AAAAAAADgPwAAAAAAAOA/AAAAAAAA4D8CAAAAjAAAAAAAAAAAAAAARHLEDP///wgAAAAAAAAAAAAAAAAAAAAAAAAAAAAAAAAAAAAAZAAAAAEAAABAAAAAAAAAAAAAAAAAAAAAAAAAAAAAAAAAAAAAAAAAAAAAAAAAAAAAAAAAAAAAAAAAAAAAAAAAAAAAAAAAAAAAAAAAAAAAAAAAAAAAAAAAAAAAAAAAAAAAFAAAADwAAAAAAAAAAAAAAAAAAAkUAAAAAQAAABQAAAAUAAAAFAAAAAEAAAAAAAAAZAAAAGQAAAAAAAAAZAAAAGQAAAAVAAAAYAAAAAAAAAAAAAAADwAAACADAAAAAAAAAAAAAAEAAACgMgAAVgcAAKr4//8BAAAAf39/AAEAAABkAAAAAAAAABQAAABAHwAAAAAAACYAAAAAAAAAwOD//wAAAAAmAAAAZAAAABYAAABMAAAAAAAAAAAAAAAEAAAAAAAAAAEAAADn5uYKAAAAACgAAAAoAAAAZAAAAGQAAAAAAAAAzMzMAAAAAABQAAAAUAAAAGQAAABkAAAAAAAAABcAAAAUAAAAAAAAAAAAAAD/fwAA/38AAAAAAAAJAAAABAAAAAAAAAAeAAAAaAAAAAAAAAAAAAAAAAAAAAAAAAAAAAAAECcAABAnAAAAAAAAAAAAAAAAAAAAAAAAAAAAAAAAAAAAAAAAAAAAABQAAAAAAAAAwMD/AAAAAABkAAAAMgAAAAAAAABkAAAAAAAAAH9/fwAKAAAAIgAAABgAAAAAAAAAAAAAAAAAAAAAAAAAAAAAAAAAAAAkAAAAJAAAAAAAAAAHAAAAAAAAAAAAAAAAAAAAAAAAAAAAAAAAAAAAf39/ACUAAABYAAAAAAAAAAAAAAAAAAAAAAAAAAAAAAAAAAAAAAAAAAAAAAAAAAAAAAAAAAAAAAA/AAAAAAAAAKCGAQAAAAAAAAAAAAAAAAAMAAAAAQAAAAAAAAAAAAAAAAAAAB8AAABUAAAAAAAABQAAAAEAAAAAAAAAAAAAAAAAAAAAAAAAAAAAAAAAAAAAAAAAAAAAAAJ/f38AAAAAA8zMzADAwP8Af39/AAAAAAAAAAAAAAAAAAAAAAAAAAAAIQAAABgAAAAUAAAAwAMAAN8JAAB8GQAAihUAABAAAAAmAAAACAAAAD0gAAAAAAAA"/>
               </a:ext>
             </a:extLst>
           </p:cNvSpPr>
@@ -4006,7 +4014,7 @@
             <a:spLocks noGrp="1" noChangeArrowheads="1"/>
             <a:extLst>
               <a:ext uri="smNativeData">
-                <pr:smNativeData xmlns:pr="smNativeData" xmlns="smNativeData" val="SMDATA_15_q5OGZBMAAAAlAAAAZAAAAA0AAAAAAAAAAAAAAAAAAAAAAAAAAAAAAAAAAAAAAAAAAAEAAABQAAAAAAAAAAAA4D8AAAAAAADgPwAAAAAAAOA/AAAAAAAA4D8AAAAAAADgPwAAAAAAAOA/AAAAAAAA4D8AAAAAAADgPwAAAAAAAOA/AAAAAAAA4D8CAAAAjAAAAAAAAAAAAAAARHLEDP///wgAAAAAAAAAAAAAAAAAAAAAAAAAAAAAAAAAAAAAZAAAAAEAAABAAAAAAAAAAAAAAAAAAAAAAAAAAAAAAAAAAAAAAAAAAAAAAAAAAAAAAAAAAAAAAAAAAAAAAAAAAAAAAAAAAAAAAAAAAAAAAAAAAAAAAAAAAAAAAAAAAAAAFAAAADwAAAAAAAAAAAAAAAAAAAkUAAAAAQAAABQAAAAUAAAAFAAAAAEAAAAAAAAAZAAAAGQAAAAAAAAAZAAAAGQAAAAVAAAAYAAAAAAAAAAAAAAADwAAACADAAAAAAAAAAAAAAEAAACgMgAAVgcAAKr4//8BAAAAf39/AAEAAABkAAAAAAAAABQAAABAHwAAAAAAACYAAAAAAAAAwOD//wAAAAAmAAAAZAAAABYAAABMAAAAAAAAAAAAAAAEAAAAAAAAAAEAAADn5uYKAAAAACgAAAAoAAAAZAAAAGQAAAAAAAAAzMzMAAAAAABQAAAAUAAAAGQAAABkAAAAAAAAABcAAAAUAAAAAAAAAAAAAAD/fwAA/38AAAAAAAAJAAAABAAAAAAAAAAeAAAAaAAAAAAAAAAAAAAAAAAAAAAAAAAAAAAAECcAABAnAAAAAAAAAAAAAAAAAAAAAAAAAAAAAAAAAAAAAAAAAAAAABQAAAAAAAAAwMD/AAAAAABkAAAAMgAAAAAAAABkAAAAAAAAAH9/fwAKAAAAIgAAABgAAAAAAAAAAAAAAAAAAAAAAAAAAAAAAAAAAAAkAAAAJAAAAAAAAAAHAAAAAAAAAAAAAAAAAAAAAAAAAAAAAAAAAAAAf39/ACUAAABYAAAAAAAAAAAAAAAAAAAAAAAAAAAAAAAAAAAAAAAAAAAAAAAAAAAAAAAAAAAAAAA/AAAAAAAAAKCGAQAAAAAAAAAAAAAAAAAMAAAAAQAAAAAAAAAAAAAAAAAAAB8AAABUAAAAAAAABQAAAAEAAAAAAAAAAAAAAAAAAAAAAAAAAAAAAAAAAAAAAAAAAAAAAAJ/f38AAAAAA8zMzADAwP8Af39/AAAAAAAAAAAAAAAAAAAAAAAAAAAAIQAAABgAAAAUAAAAkxoAAN8JAABOMAAAihUAABAAAAAmAAAACAAAAD0gAAAAAAAA"/>
+                <pr:smNativeData xmlns="smNativeData" xmlns:pr="smNativeData" xmlns:p15="http://schemas.microsoft.com/office/powerpoint/2012/main" xmlns:p14="http://schemas.microsoft.com/office/powerpoint/2010/main" xmlns:mc="http://schemas.openxmlformats.org/markup-compatibility/2006" val="SMDATA_15_q5OGZBMAAAAlAAAAZAAAAA0AAAAAAAAAAAAAAAAAAAAAAAAAAAAAAAAAAAAAAAAAAAEAAABQAAAAAAAAAAAA4D8AAAAAAADgPwAAAAAAAOA/AAAAAAAA4D8AAAAAAADgPwAAAAAAAOA/AAAAAAAA4D8AAAAAAADgPwAAAAAAAOA/AAAAAAAA4D8CAAAAjAAAAAAAAAAAAAAARHLEDP///wgAAAAAAAAAAAAAAAAAAAAAAAAAAAAAAAAAAAAAZAAAAAEAAABAAAAAAAAAAAAAAAAAAAAAAAAAAAAAAAAAAAAAAAAAAAAAAAAAAAAAAAAAAAAAAAAAAAAAAAAAAAAAAAAAAAAAAAAAAAAAAAAAAAAAAAAAAAAAAAAAAAAAFAAAADwAAAAAAAAAAAAAAAAAAAkUAAAAAQAAABQAAAAUAAAAFAAAAAEAAAAAAAAAZAAAAGQAAAAAAAAAZAAAAGQAAAAVAAAAYAAAAAAAAAAAAAAADwAAACADAAAAAAAAAAAAAAEAAACgMgAAVgcAAKr4//8BAAAAf39/AAEAAABkAAAAAAAAABQAAABAHwAAAAAAACYAAAAAAAAAwOD//wAAAAAmAAAAZAAAABYAAABMAAAAAAAAAAAAAAAEAAAAAAAAAAEAAADn5uYKAAAAACgAAAAoAAAAZAAAAGQAAAAAAAAAzMzMAAAAAABQAAAAUAAAAGQAAABkAAAAAAAAABcAAAAUAAAAAAAAAAAAAAD/fwAA/38AAAAAAAAJAAAABAAAAAAAAAAeAAAAaAAAAAAAAAAAAAAAAAAAAAAAAAAAAAAAECcAABAnAAAAAAAAAAAAAAAAAAAAAAAAAAAAAAAAAAAAAAAAAAAAABQAAAAAAAAAwMD/AAAAAABkAAAAMgAAAAAAAABkAAAAAAAAAH9/fwAKAAAAIgAAABgAAAAAAAAAAAAAAAAAAAAAAAAAAAAAAAAAAAAkAAAAJAAAAAAAAAAHAAAAAAAAAAAAAAAAAAAAAAAAAAAAAAAAAAAAf39/ACUAAABYAAAAAAAAAAAAAAAAAAAAAAAAAAAAAAAAAAAAAAAAAAAAAAAAAAAAAAAAAAAAAAA/AAAAAAAAAKCGAQAAAAAAAAAAAAAAAAAMAAAAAQAAAAAAAAAAAAAAAAAAAB8AAABUAAAAAAAABQAAAAEAAAAAAAAAAAAAAAAAAAAAAAAAAAAAAAAAAAAAAAAAAAAAAAJ/f38AAAAAA8zMzADAwP8Af39/AAAAAAAAAAAAAAAAAAAAAAAAAAAAIQAAABgAAAAUAAAAkxoAAN8JAABOMAAAihUAABAAAAAmAAAACAAAAD0gAAAAAAAA"/>
               </a:ext>
             </a:extLst>
           </p:cNvSpPr>
@@ -4042,7 +4050,7 @@
             <a:spLocks noGrp="1" noChangeArrowheads="1"/>
             <a:extLst>
               <a:ext uri="smNativeData">
-                <pr:smNativeData xmlns:pr="smNativeData" xmlns="smNativeData" val="SMDATA_15_q5OGZBMAAAAlAAAAZAAAAA0AAAAAAAAAAAAAAAAAAAAAAAAAAAAAAAAAAAAAAAAAAAEAAABQAAAAAAAAAAAA4D8AAAAAAADgPwAAAAAAAOA/AAAAAAAA4D8AAAAAAADgPwAAAAAAAOA/AAAAAAAA4D8AAAAAAADgPwAAAAAAAOA/AAAAAAAA4D8CAAAAjAAAAAAAAAAAAAAARHLEDP///wgAAAAAAAAAAAAAAAAAAAAAAAAAAAAAAAAAAAAAZAAAAAEAAABAAAAAAAAAAAAAAAAAAAAAAAAAAAAAAAAAAAAAAAAAAAAAAAAAAAAAAAAAAAAAAAAAAAAAAAAAAAAAAAAAAAAAAAAAAAAAAAAAAAAAAAAAAAAAAAAAAAAAFAAAADwAAAAAAAAAAAAAAAAAAAkUAAAAAQAAABQAAAAUAAAAFAAAAAEAAAAAAAAAZAAAAGQAAAAAAAAAZAAAAGQAAAAVAAAAYAAAAAAAAAAAAAAADwAAACADAAAAAAAAAAAAAAEAAACgMgAAVgcAAKr4//8BAAAAf39/AAEAAABkAAAAAAAAABQAAABAHwAAAAAAACYAAAAAAAAAwOD//wAAAAAmAAAAZAAAABYAAABMAAAAAAAAAAAAAAAEAAAAAAAAAAEAAADn5uYKAAAAACgAAAAoAAAAZAAAAGQAAAAAAAAAzMzMAAAAAABQAAAAUAAAAGQAAABkAAAAAAAAABcAAAAUAAAAAAAAAAAAAAD/fwAA/38AAAAAAAAJAAAABAAAAAAAAAAeAAAAaAAAAAAAAAAAAAAAAAAAAAAAAAAAAAAAECcAABAnAAAAAAAAAAAAAAAAAAAAAAAAAAAAAAAAAAAAAAAAAAAAABQAAAAAAAAAwMD/AAAAAABkAAAAMgAAAAAAAABkAAAAAAAAAH9/fwAKAAAAIgAAABgAAAAAAAAAAAAAAAAAAAAAAAAAAAAAAAAAAAAkAAAAJAAAAAAAAAAHAAAAAAAAAAAAAAAAAAAAAAAAAAAAAAAAAAAAf39/ACUAAABYAAAAAAAAAAAAAAAAAAAAAAAAAAAAAAAAAAAAAAAAAAAAAAAAAAAAAAAAAAAAAAA/AAAAAAAAAKCGAQAAAAAAAAAAAAAAAAAMAAAAAQAAAAAAAAAAAAAAAAAAAB8AAABUAAAAAAAABQAAAAEAAAAAAAAAAAAAAAAAAAAAAAAAAAAAAAAAAAAAAAAAAAAAAAJ/f38AAAAAA8zMzADAwP8Af39/AAAAAAAAAAAAAAAAAAAAAAAAAAAAIQAAABgAAAAUAAAAZTEAAN8JAAAhRwAAihUAABAAAAAmAAAACAAAAD0gAAAAAAAA"/>
+                <pr:smNativeData xmlns="smNativeData" xmlns:pr="smNativeData" xmlns:p15="http://schemas.microsoft.com/office/powerpoint/2012/main" xmlns:p14="http://schemas.microsoft.com/office/powerpoint/2010/main" xmlns:mc="http://schemas.openxmlformats.org/markup-compatibility/2006" val="SMDATA_15_q5OGZBMAAAAlAAAAZAAAAA0AAAAAAAAAAAAAAAAAAAAAAAAAAAAAAAAAAAAAAAAAAAEAAABQAAAAAAAAAAAA4D8AAAAAAADgPwAAAAAAAOA/AAAAAAAA4D8AAAAAAADgPwAAAAAAAOA/AAAAAAAA4D8AAAAAAADgPwAAAAAAAOA/AAAAAAAA4D8CAAAAjAAAAAAAAAAAAAAARHLEDP///wgAAAAAAAAAAAAAAAAAAAAAAAAAAAAAAAAAAAAAZAAAAAEAAABAAAAAAAAAAAAAAAAAAAAAAAAAAAAAAAAAAAAAAAAAAAAAAAAAAAAAAAAAAAAAAAAAAAAAAAAAAAAAAAAAAAAAAAAAAAAAAAAAAAAAAAAAAAAAAAAAAAAAFAAAADwAAAAAAAAAAAAAAAAAAAkUAAAAAQAAABQAAAAUAAAAFAAAAAEAAAAAAAAAZAAAAGQAAAAAAAAAZAAAAGQAAAAVAAAAYAAAAAAAAAAAAAAADwAAACADAAAAAAAAAAAAAAEAAACgMgAAVgcAAKr4//8BAAAAf39/AAEAAABkAAAAAAAAABQAAABAHwAAAAAAACYAAAAAAAAAwOD//wAAAAAmAAAAZAAAABYAAABMAAAAAAAAAAAAAAAEAAAAAAAAAAEAAADn5uYKAAAAACgAAAAoAAAAZAAAAGQAAAAAAAAAzMzMAAAAAABQAAAAUAAAAGQAAABkAAAAAAAAABcAAAAUAAAAAAAAAAAAAAD/fwAA/38AAAAAAAAJAAAABAAAAAAAAAAeAAAAaAAAAAAAAAAAAAAAAAAAAAAAAAAAAAAAECcAABAnAAAAAAAAAAAAAAAAAAAAAAAAAAAAAAAAAAAAAAAAAAAAABQAAAAAAAAAwMD/AAAAAABkAAAAMgAAAAAAAABkAAAAAAAAAH9/fwAKAAAAIgAAABgAAAAAAAAAAAAAAAAAAAAAAAAAAAAAAAAAAAAkAAAAJAAAAAAAAAAHAAAAAAAAAAAAAAAAAAAAAAAAAAAAAAAAAAAAf39/ACUAAABYAAAAAAAAAAAAAAAAAAAAAAAAAAAAAAAAAAAAAAAAAAAAAAAAAAAAAAAAAAAAAAA/AAAAAAAAAKCGAQAAAAAAAAAAAAAAAAAMAAAAAQAAAAAAAAAAAAAAAAAAAB8AAABUAAAAAAAABQAAAAEAAAAAAAAAAAAAAAAAAAAAAAAAAAAAAAAAAAAAAAAAAAAAAAJ/f38AAAAAA8zMzADAwP8Af39/AAAAAAAAAAAAAAAAAAAAAAAAAAAAIQAAABgAAAAUAAAAZTEAAN8JAAAhRwAAihUAABAAAAAmAAAACAAAAD0gAAAAAAAA"/>
               </a:ext>
             </a:extLst>
           </p:cNvSpPr>
@@ -4078,7 +4086,7 @@
             <a:spLocks noGrp="1" noChangeArrowheads="1"/>
             <a:extLst>
               <a:ext uri="smNativeData">
-                <pr:smNativeData xmlns:pr="smNativeData" xmlns="smNativeData" val="SMDATA_15_q5OGZBMAAAAlAAAAZAAAAA0AAAAAAAAAAAAAAAAAAAAAAAAAAAAAAAAAAAAAAAAAAAEAAABQAAAAAAAAAAAA4D8AAAAAAADgPwAAAAAAAOA/AAAAAAAA4D8AAAAAAADgPwAAAAAAAOA/AAAAAAAA4D8AAAAAAADgPwAAAAAAAOA/AAAAAAAA4D8CAAAAjAAAAAAAAAAAAAAARHLEDP///wgAAAAAAAAAAAAAAAAAAAAAAAAAAAAAAAAAAAAAZAAAAAEAAABAAAAAAAAAAAAAAAAAAAAAAAAAAAAAAAAAAAAAAAAAAAAAAAAAAAAAAAAAAAAAAAAAAAAAAAAAAAAAAAAAAAAAAAAAAAAAAAAAAAAAAAAAAAAAAAAAAAAAFAAAADwAAAAAAAAAAAAAAAAAAAkUAAAAAQAAABQAAAAUAAAAFAAAAAEAAAAAAAAAZAAAAGQAAAAAAAAAZAAAAGQAAAAVAAAAYAAAAAAAAAAAAAAADwAAACADAAAAAAAAAAAAAAEAAACgMgAAVgcAAKr4//8BAAAAf39/AAEAAABkAAAAAAAAABQAAABAHwAAAAAAACYAAAAAAAAAwOD//wAAAAAmAAAAZAAAABYAAABMAAAAAAAAAAAAAAAEAAAAAAAAAAEAAADn5uYKAAAAACgAAAAoAAAAZAAAAGQAAAAAAAAAzMzMAAAAAABQAAAAUAAAAGQAAABkAAAAAAAAABcAAAAUAAAAAAAAAAAAAAD/fwAA/38AAAAAAAAJAAAABAAAAAAAAAAeAAAAaAAAAAAAAAAAAAAAAAAAAAAAAAAAAAAAECcAABAnAAAAAAAAAAAAAAAAAAAAAAAAAAAAAAAAAAAAAAAAAAAAABQAAAAAAAAAwMD/AAAAAABkAAAAMgAAAAAAAABkAAAAAAAAAH9/fwAKAAAAIgAAABgAAAAAAAAAAAAAAAAAAAAAAAAAAAAAAAAAAAAkAAAAJAAAAAAAAAAHAAAAAAAAAAAAAAAAAAAAAAAAAAAAAAAAAAAAf39/ACUAAABYAAAAAAAAAAAAAAAAAAAAAAAAAAAAAAAAAAAAAAAAAAAAAAAAAAAAAAAAAAAAAAA/AAAAAAAAAKCGAQAAAAAAAAAAAAAAAAAMAAAAAQAAAAAAAAAAAAAAAAAAAB8AAABUAAAAAAAABQAAAAEAAAAAAAAAAAAAAAAAAAAAAAAAAAAAAAAAAAAAAAAAAAAAAAJ/f38AAAAAA8zMzADAwP8Af39/AAAAAAAAAAAAAAAAAAAAAAAAAAAAIQAAABgAAAAUAAAAwAMAAKcWAAB8GQAAUiIAABAAAAAmAAAACAAAAD0gAAAAAAAA"/>
+                <pr:smNativeData xmlns="smNativeData" xmlns:pr="smNativeData" xmlns:p15="http://schemas.microsoft.com/office/powerpoint/2012/main" xmlns:p14="http://schemas.microsoft.com/office/powerpoint/2010/main" xmlns:mc="http://schemas.openxmlformats.org/markup-compatibility/2006" val="SMDATA_15_q5OGZBMAAAAlAAAAZAAAAA0AAAAAAAAAAAAAAAAAAAAAAAAAAAAAAAAAAAAAAAAAAAEAAABQAAAAAAAAAAAA4D8AAAAAAADgPwAAAAAAAOA/AAAAAAAA4D8AAAAAAADgPwAAAAAAAOA/AAAAAAAA4D8AAAAAAADgPwAAAAAAAOA/AAAAAAAA4D8CAAAAjAAAAAAAAAAAAAAARHLEDP///wgAAAAAAAAAAAAAAAAAAAAAAAAAAAAAAAAAAAAAZAAAAAEAAABAAAAAAAAAAAAAAAAAAAAAAAAAAAAAAAAAAAAAAAAAAAAAAAAAAAAAAAAAAAAAAAAAAAAAAAAAAAAAAAAAAAAAAAAAAAAAAAAAAAAAAAAAAAAAAAAAAAAAFAAAADwAAAAAAAAAAAAAAAAAAAkUAAAAAQAAABQAAAAUAAAAFAAAAAEAAAAAAAAAZAAAAGQAAAAAAAAAZAAAAGQAAAAVAAAAYAAAAAAAAAAAAAAADwAAACADAAAAAAAAAAAAAAEAAACgMgAAVgcAAKr4//8BAAAAf39/AAEAAABkAAAAAAAAABQAAABAHwAAAAAAACYAAAAAAAAAwOD//wAAAAAmAAAAZAAAABYAAABMAAAAAAAAAAAAAAAEAAAAAAAAAAEAAADn5uYKAAAAACgAAAAoAAAAZAAAAGQAAAAAAAAAzMzMAAAAAABQAAAAUAAAAGQAAABkAAAAAAAAABcAAAAUAAAAAAAAAAAAAAD/fwAA/38AAAAAAAAJAAAABAAAAAAAAAAeAAAAaAAAAAAAAAAAAAAAAAAAAAAAAAAAAAAAECcAABAnAAAAAAAAAAAAAAAAAAAAAAAAAAAAAAAAAAAAAAAAAAAAABQAAAAAAAAAwMD/AAAAAABkAAAAMgAAAAAAAABkAAAAAAAAAH9/fwAKAAAAIgAAABgAAAAAAAAAAAAAAAAAAAAAAAAAAAAAAAAAAAAkAAAAJAAAAAAAAAAHAAAAAAAAAAAAAAAAAAAAAAAAAAAAAAAAAAAAf39/ACUAAABYAAAAAAAAAAAAAAAAAAAAAAAAAAAAAAAAAAAAAAAAAAAAAAAAAAAAAAAAAAAAAAA/AAAAAAAAAKCGAQAAAAAAAAAAAAAAAAAMAAAAAQAAAAAAAAAAAAAAAAAAAB8AAABUAAAAAAAABQAAAAEAAAAAAAAAAAAAAAAAAAAAAAAAAAAAAAAAAAAAAAAAAAAAAAJ/f38AAAAAA8zMzADAwP8Af39/AAAAAAAAAAAAAAAAAAAAAAAAAAAAIQAAABgAAAAUAAAAwAMAAKcWAAB8GQAAUiIAABAAAAAmAAAACAAAAD0gAAAAAAAA"/>
               </a:ext>
             </a:extLst>
           </p:cNvSpPr>
@@ -4114,7 +4122,7 @@
             <a:spLocks noGrp="1" noChangeArrowheads="1"/>
             <a:extLst>
               <a:ext uri="smNativeData">
-                <pr:smNativeData xmlns:pr="smNativeData" xmlns="smNativeData" val="SMDATA_15_q5OGZBMAAAAlAAAAZAAAAA0AAAAAAAAAAAAAAAAAAAAAAAAAAAAAAAAAAAAAAAAAAAEAAABQAAAAAAAAAAAA4D8AAAAAAADgPwAAAAAAAOA/AAAAAAAA4D8AAAAAAADgPwAAAAAAAOA/AAAAAAAA4D8AAAAAAADgPwAAAAAAAOA/AAAAAAAA4D8CAAAAjAAAAAAAAAAAAAAARHLEDP///wgAAAAAAAAAAAAAAAAAAAAAAAAAAAAAAAAAAAAAZAAAAAEAAABAAAAAAAAAAAAAAAAAAAAAAAAAAAAAAAAAAAAAAAAAAAAAAAAAAAAAAAAAAAAAAAAAAAAAAAAAAAAAAAAAAAAAAAAAAAAAAAAAAAAAAAAAAAAAAAAAAAAAFAAAADwAAAAAAAAAAAAAAAAAAAkUAAAAAQAAABQAAAAUAAAAFAAAAAEAAAAAAAAAZAAAAGQAAAAAAAAAZAAAAGQAAAAVAAAAYAAAAAAAAAAAAAAADwAAACADAAAAAAAAAAAAAAEAAACgMgAAVgcAAKr4//8BAAAAf39/AAEAAABkAAAAAAAAABQAAABAHwAAAAAAACYAAAAAAAAAwOD//wAAAAAmAAAAZAAAABYAAABMAAAAAAAAAAAAAAAEAAAAAAAAAAEAAADn5uYKAAAAACgAAAAoAAAAZAAAAGQAAAAAAAAAzMzMAAAAAABQAAAAUAAAAGQAAABkAAAAAAAAABcAAAAUAAAAAAAAAAAAAAD/fwAA/38AAAAAAAAJAAAABAAAAAAAAAAeAAAAaAAAAAAAAAAAAAAAAAAAAAAAAAAAAAAAECcAABAnAAAAAAAAAAAAAAAAAAAAAAAAAAAAAAAAAAAAAAAAAAAAABQAAAAAAAAAwMD/AAAAAABkAAAAMgAAAAAAAABkAAAAAAAAAH9/fwAKAAAAIgAAABgAAAAAAAAAAAAAAAAAAAAAAAAAAAAAAAAAAAAkAAAAJAAAAAAAAAAHAAAAAAAAAAAAAAAAAAAAAAAAAAAAAAAAAAAAf39/ACUAAABYAAAAAAAAAAAAAAAAAAAAAAAAAAAAAAAAAAAAAAAAAAAAAAAAAAAAAAAAAAAAAAA/AAAAAAAAAKCGAQAAAAAAAAAAAAAAAAAMAAAAAQAAAAAAAAAAAAAAAAAAAB8AAABUAAAAAAAABQAAAAEAAAAAAAAAAAAAAAAAAAAAAAAAAAAAAAAAAAAAAAAAAAAAAAJ/f38AAAAAA8zMzADAwP8Af39/AAAAAAAAAAAAAAAAAAAAAAAAAAAAIQAAABgAAAAUAAAAkxoAAKcWAABOMAAAUiIAABAAAAAmAAAACAAAAD0gAAAAAAAA"/>
+                <pr:smNativeData xmlns="smNativeData" xmlns:pr="smNativeData" xmlns:p15="http://schemas.microsoft.com/office/powerpoint/2012/main" xmlns:p14="http://schemas.microsoft.com/office/powerpoint/2010/main" xmlns:mc="http://schemas.openxmlformats.org/markup-compatibility/2006" val="SMDATA_15_q5OGZBMAAAAlAAAAZAAAAA0AAAAAAAAAAAAAAAAAAAAAAAAAAAAAAAAAAAAAAAAAAAEAAABQAAAAAAAAAAAA4D8AAAAAAADgPwAAAAAAAOA/AAAAAAAA4D8AAAAAAADgPwAAAAAAAOA/AAAAAAAA4D8AAAAAAADgPwAAAAAAAOA/AAAAAAAA4D8CAAAAjAAAAAAAAAAAAAAARHLEDP///wgAAAAAAAAAAAAAAAAAAAAAAAAAAAAAAAAAAAAAZAAAAAEAAABAAAAAAAAAAAAAAAAAAAAAAAAAAAAAAAAAAAAAAAAAAAAAAAAAAAAAAAAAAAAAAAAAAAAAAAAAAAAAAAAAAAAAAAAAAAAAAAAAAAAAAAAAAAAAAAAAAAAAFAAAADwAAAAAAAAAAAAAAAAAAAkUAAAAAQAAABQAAAAUAAAAFAAAAAEAAAAAAAAAZAAAAGQAAAAAAAAAZAAAAGQAAAAVAAAAYAAAAAAAAAAAAAAADwAAACADAAAAAAAAAAAAAAEAAACgMgAAVgcAAKr4//8BAAAAf39/AAEAAABkAAAAAAAAABQAAABAHwAAAAAAACYAAAAAAAAAwOD//wAAAAAmAAAAZAAAABYAAABMAAAAAAAAAAAAAAAEAAAAAAAAAAEAAADn5uYKAAAAACgAAAAoAAAAZAAAAGQAAAAAAAAAzMzMAAAAAABQAAAAUAAAAGQAAABkAAAAAAAAABcAAAAUAAAAAAAAAAAAAAD/fwAA/38AAAAAAAAJAAAABAAAAAAAAAAeAAAAaAAAAAAAAAAAAAAAAAAAAAAAAAAAAAAAECcAABAnAAAAAAAAAAAAAAAAAAAAAAAAAAAAAAAAAAAAAAAAAAAAABQAAAAAAAAAwMD/AAAAAABkAAAAMgAAAAAAAABkAAAAAAAAAH9/fwAKAAAAIgAAABgAAAAAAAAAAAAAAAAAAAAAAAAAAAAAAAAAAAAkAAAAJAAAAAAAAAAHAAAAAAAAAAAAAAAAAAAAAAAAAAAAAAAAAAAAf39/ACUAAABYAAAAAAAAAAAAAAAAAAAAAAAAAAAAAAAAAAAAAAAAAAAAAAAAAAAAAAAAAAAAAAA/AAAAAAAAAKCGAQAAAAAAAAAAAAAAAAAMAAAAAQAAAAAAAAAAAAAAAAAAAB8AAABUAAAAAAAABQAAAAEAAAAAAAAAAAAAAAAAAAAAAAAAAAAAAAAAAAAAAAAAAAAAAAJ/f38AAAAAA8zMzADAwP8Af39/AAAAAAAAAAAAAAAAAAAAAAAAAAAAIQAAABgAAAAUAAAAkxoAAKcWAABOMAAAUiIAABAAAAAmAAAACAAAAD0gAAAAAAAA"/>
               </a:ext>
             </a:extLst>
           </p:cNvSpPr>
@@ -4150,7 +4158,7 @@
             <a:spLocks noGrp="1" noChangeArrowheads="1"/>
             <a:extLst>
               <a:ext uri="smNativeData">
-                <pr:smNativeData xmlns:pr="smNativeData" xmlns="smNativeData" val="SMDATA_15_q5OGZBMAAAAlAAAAZAAAAA0AAAAAAAAAAAAAAAAAAAAAAAAAAAAAAAAAAAAAAAAAAAEAAABQAAAAAAAAAAAA4D8AAAAAAADgPwAAAAAAAOA/AAAAAAAA4D8AAAAAAADgPwAAAAAAAOA/AAAAAAAA4D8AAAAAAADgPwAAAAAAAOA/AAAAAAAA4D8CAAAAjAAAAAAAAAAAAAAARHLEDP///wgAAAAAAAAAAAAAAAAAAAAAAAAAAAAAAAAAAAAAZAAAAAEAAABAAAAAAAAAAAAAAAAAAAAAAAAAAAAAAAAAAAAAAAAAAAAAAAAAAAAAAAAAAAAAAAAAAAAAAAAAAAAAAAAAAAAAAAAAAAAAAAAAAAAAAAAAAAAAAAAAAAAAFAAAADwAAAAAAAAAAAAAAAAAAAkUAAAAAQAAABQAAAAUAAAAFAAAAAEAAAAAAAAAZAAAAGQAAAAAAAAAZAAAAGQAAAAVAAAAYAAAAAAAAAAAAAAADwAAACADAAAAAAAAAAAAAAEAAACgMgAAVgcAAKr4//8BAAAAf39/AAEAAABkAAAAAAAAABQAAABAHwAAAAAAACYAAAAAAAAAwOD//wAAAAAmAAAAZAAAABYAAABMAAAAAAAAAAAAAAAEAAAAAAAAAAEAAADn5uYKAAAAACgAAAAoAAAAZAAAAGQAAAAAAAAAzMzMAAAAAABQAAAAUAAAAGQAAABkAAAAAAAAABcAAAAUAAAAAAAAAAAAAAD/fwAA/38AAAAAAAAJAAAABAAAAAAAAAAeAAAAaAAAAAAAAAAAAAAAAAAAAAAAAAAAAAAAECcAABAnAAAAAAAAAAAAAAAAAAAAAAAAAAAAAAAAAAAAAAAAAAAAABQAAAAAAAAAwMD/AAAAAABkAAAAMgAAAAAAAABkAAAAAAAAAH9/fwAKAAAAIgAAABgAAAAAAAAAAAAAAAAAAAAAAAAAAAAAAAAAAAAkAAAAJAAAAAAAAAAHAAAAAAAAAAAAAAAAAAAAAAAAAAAAAAAAAAAAf39/ACUAAABYAAAAAAAAAAAAAAAAAAAAAAAAAAAAAAAAAAAAAAAAAAAAAAAAAAAAAAAAAAAAAAA/AAAAAAAAAKCGAQAAAAAAAAAAAAAAAAAMAAAAAQAAAAAAAAAAAAAAAAAAAB8AAABUAAAAAAAABQAAAAEAAAAAAAAAAAAAAAAAAAAAAAAAAAAAAAAAAAAAAAAAAAAAAAJ/f38AAAAAA8zMzADAwP8Af39/AAAAAAAAAAAAAAAAAAAAAAAAAAAAIQAAABgAAAAUAAAAZTEAAKcWAAAhRwAAUiIAABAAAAAmAAAACAAAAD0gAAAAAAAA"/>
+                <pr:smNativeData xmlns="smNativeData" xmlns:pr="smNativeData" xmlns:p15="http://schemas.microsoft.com/office/powerpoint/2012/main" xmlns:p14="http://schemas.microsoft.com/office/powerpoint/2010/main" xmlns:mc="http://schemas.openxmlformats.org/markup-compatibility/2006" val="SMDATA_15_q5OGZBMAAAAlAAAAZAAAAA0AAAAAAAAAAAAAAAAAAAAAAAAAAAAAAAAAAAAAAAAAAAEAAABQAAAAAAAAAAAA4D8AAAAAAADgPwAAAAAAAOA/AAAAAAAA4D8AAAAAAADgPwAAAAAAAOA/AAAAAAAA4D8AAAAAAADgPwAAAAAAAOA/AAAAAAAA4D8CAAAAjAAAAAAAAAAAAAAARHLEDP///wgAAAAAAAAAAAAAAAAAAAAAAAAAAAAAAAAAAAAAZAAAAAEAAABAAAAAAAAAAAAAAAAAAAAAAAAAAAAAAAAAAAAAAAAAAAAAAAAAAAAAAAAAAAAAAAAAAAAAAAAAAAAAAAAAAAAAAAAAAAAAAAAAAAAAAAAAAAAAAAAAAAAAFAAAADwAAAAAAAAAAAAAAAAAAAkUAAAAAQAAABQAAAAUAAAAFAAAAAEAAAAAAAAAZAAAAGQAAAAAAAAAZAAAAGQAAAAVAAAAYAAAAAAAAAAAAAAADwAAACADAAAAAAAAAAAAAAEAAACgMgAAVgcAAKr4//8BAAAAf39/AAEAAABkAAAAAAAAABQAAABAHwAAAAAAACYAAAAAAAAAwOD//wAAAAAmAAAAZAAAABYAAABMAAAAAAAAAAAAAAAEAAAAAAAAAAEAAADn5uYKAAAAACgAAAAoAAAAZAAAAGQAAAAAAAAAzMzMAAAAAABQAAAAUAAAAGQAAABkAAAAAAAAABcAAAAUAAAAAAAAAAAAAAD/fwAA/38AAAAAAAAJAAAABAAAAAAAAAAeAAAAaAAAAAAAAAAAAAAAAAAAAAAAAAAAAAAAECcAABAnAAAAAAAAAAAAAAAAAAAAAAAAAAAAAAAAAAAAAAAAAAAAABQAAAAAAAAAwMD/AAAAAABkAAAAMgAAAAAAAABkAAAAAAAAAH9/fwAKAAAAIgAAABgAAAAAAAAAAAAAAAAAAAAAAAAAAAAAAAAAAAAkAAAAJAAAAAAAAAAHAAAAAAAAAAAAAAAAAAAAAAAAAAAAAAAAAAAAf39/ACUAAABYAAAAAAAAAAAAAAAAAAAAAAAAAAAAAAAAAAAAAAAAAAAAAAAAAAAAAAAAAAAAAAA/AAAAAAAAAKCGAQAAAAAAAAAAAAAAAAAMAAAAAQAAAAAAAAAAAAAAAAAAAB8AAABUAAAAAAAABQAAAAEAAAAAAAAAAAAAAAAAAAAAAAAAAAAAAAAAAAAAAAAAAAAAAAJ/f38AAAAAA8zMzADAwP8Af39/AAAAAAAAAAAAAAAAAAAAAAAAAAAAIQAAABgAAAAUAAAAZTEAAKcWAAAhRwAAUiIAABAAAAAmAAAACAAAAD0gAAAAAAAA"/>
               </a:ext>
             </a:extLst>
           </p:cNvSpPr>
@@ -4188,7 +4196,7 @@
 </file>
 
 <file path=ppt/slideLayouts/slideLayout37.xml><?xml version="1.0" encoding="utf-8"?>
-<p:sldLayout xmlns:p="http://schemas.openxmlformats.org/presentationml/2006/main" xmlns:mc="http://schemas.openxmlformats.org/markup-compatibility/2006" xmlns:p14="http://schemas.microsoft.com/office/powerpoint/2010/main" xmlns:p15="http://schemas.microsoft.com/office/powerpoint/2012/main" xmlns:r="http://schemas.openxmlformats.org/officeDocument/2006/relationships" xmlns:a="http://schemas.openxmlformats.org/drawingml/2006/main" type="blank" preserve="1">
+<p:sldLayout xmlns:a="http://schemas.openxmlformats.org/drawingml/2006/main" xmlns:r="http://schemas.openxmlformats.org/officeDocument/2006/relationships" xmlns:p="http://schemas.openxmlformats.org/presentationml/2006/main" type="blank" preserve="1">
   <p:cSld name="Blank Slide">
     <p:spTree>
       <p:nvGrpSpPr>
@@ -4213,7 +4221,7 @@
 </file>
 
 <file path=ppt/slideLayouts/slideLayout38.xml><?xml version="1.0" encoding="utf-8"?>
-<p:sldLayout xmlns:p="http://schemas.openxmlformats.org/presentationml/2006/main" xmlns:mc="http://schemas.openxmlformats.org/markup-compatibility/2006" xmlns:p14="http://schemas.microsoft.com/office/powerpoint/2010/main" xmlns:p15="http://schemas.microsoft.com/office/powerpoint/2012/main" xmlns:r="http://schemas.openxmlformats.org/officeDocument/2006/relationships" xmlns:a="http://schemas.openxmlformats.org/drawingml/2006/main" type="tx" preserve="1">
+<p:sldLayout xmlns:a="http://schemas.openxmlformats.org/drawingml/2006/main" xmlns:r="http://schemas.openxmlformats.org/officeDocument/2006/relationships" xmlns:p="http://schemas.openxmlformats.org/presentationml/2006/main" type="tx" preserve="1">
   <p:cSld name="Title Slide">
     <p:spTree>
       <p:nvGrpSpPr>
@@ -4236,7 +4244,7 @@
             <a:spLocks noGrp="1" noChangeArrowheads="1"/>
             <a:extLst>
               <a:ext uri="smNativeData">
-                <pr:smNativeData xmlns:pr="smNativeData" xmlns="smNativeData" val="SMDATA_15_q5OGZBMAAAAlAAAAZAAAAA0AAAAAAAAAAAAAAAAAAAAAAAAAAAAAAAABAAAAAAAAAAEAAABQAAAAAAAAAAAA4D8AAAAAAADgPwAAAAAAAOA/AAAAAAAA4D8AAAAAAADgPwAAAAAAAOA/AAAAAAAA4D8AAAAAAADgPwAAAAAAAOA/AAAAAAAA4D8CAAAAjAAAAAAAAAAAAAAARHLEDP///wgAAAAAAAAAAAAAAAAAAAAAAAAAAAAAAAAAAAAAZAAAAAEAAABAAAAAAAAAAAAAAAAAAAAAAAAAAAAAAAAAAAAAAAAAAAAAAAAAAAAAAAAAAAAAAAAAAAAAAAAAAAAAAAAAAAAAAAAAAAAAAAAAAAAAAAAAAAAAAAAAAAAAFAAAADwAAAAAAAAAAAAAAAAAAAkUAAAAAQAAABQAAAAUAAAAFAAAAAEAAAAAAAAAZAAAAGQAAAAAAAAAZAAAAGQAAAAVAAAAYAAAAAAAAAAAAAAADwAAACADAAAAAAAAAAAAAAEAAACgMgAAVgcAAKr4//8BAAAAf39/AAEAAABkAAAAAAAAABQAAABAHwAAAAAAACYAAAAAAAAAwOD//wAAAAAmAAAAZAAAABYAAABMAAAAAAAAAAAAAAAEAAAAAAAAAAEAAADn5uYKAAAAACgAAAAoAAAAZAAAAGQAAAAAAAAAzMzMAAAAAABQAAAAUAAAAGQAAABkAAAAAAAAABcAAAAUAAAAAAAAAAAAAAD/fwAA/38AAAAAAAAJAAAABAAAAAAAAAAeAAAAaAAAAAAAAAAAAAAAAAAAAAAAAAAAAAAAECcAABAnAAAAAAAAAAAAAAAAAAAAAAAAAAAAAAAAAAAAAAAAAAAAABQAAAAAAAAAwMD/AAAAAABkAAAAMgAAAAAAAABkAAAAAAAAAH9/fwAKAAAAIgAAABgAAAAAAAAAAAAAAAAAAAAAAAAAAAAAAAAAAAAkAAAAJAAAAAAAAAAHAAAAAAAAAAAAAAAAAAAAAAAAAAAAAAAAAAAAf39/ACUAAABYAAAAAAAAAAAAAAAAAAAAAAAAAAAAAAAAAAAAAAAAAAAAAAAAAAAAAAAAAAAAAAA/AAAAAAAAAKCGAQAAAAAAAAAAAAAAAAAMAAAAAQAAAAAAAAAAAAAAAAAAAB8AAABUAAAAAAAABQAAAAEAAAAAAAAAAAAAAAAAAAAAAAAAAAAAAAAAAAAAAAAAAAAAAAJ/f38AAAAAA8zMzADAwP8Af39/AAAAAAAAAAAAAAAAAAAAAAAAAAAAIQAAABgAAAAUAAAAwAMAAK8BAAA/RwAAuggAABAAAAAmAAAACAAAADwgAAAAAAAA"/>
+                <pr:smNativeData xmlns="smNativeData" xmlns:pr="smNativeData" xmlns:p15="http://schemas.microsoft.com/office/powerpoint/2012/main" xmlns:p14="http://schemas.microsoft.com/office/powerpoint/2010/main" xmlns:mc="http://schemas.openxmlformats.org/markup-compatibility/2006" val="SMDATA_15_q5OGZBMAAAAlAAAAZAAAAA0AAAAAAAAAAAAAAAAAAAAAAAAAAAAAAAABAAAAAAAAAAEAAABQAAAAAAAAAAAA4D8AAAAAAADgPwAAAAAAAOA/AAAAAAAA4D8AAAAAAADgPwAAAAAAAOA/AAAAAAAA4D8AAAAAAADgPwAAAAAAAOA/AAAAAAAA4D8CAAAAjAAAAAAAAAAAAAAARHLEDP///wgAAAAAAAAAAAAAAAAAAAAAAAAAAAAAAAAAAAAAZAAAAAEAAABAAAAAAAAAAAAAAAAAAAAAAAAAAAAAAAAAAAAAAAAAAAAAAAAAAAAAAAAAAAAAAAAAAAAAAAAAAAAAAAAAAAAAAAAAAAAAAAAAAAAAAAAAAAAAAAAAAAAAFAAAADwAAAAAAAAAAAAAAAAAAAkUAAAAAQAAABQAAAAUAAAAFAAAAAEAAAAAAAAAZAAAAGQAAAAAAAAAZAAAAGQAAAAVAAAAYAAAAAAAAAAAAAAADwAAACADAAAAAAAAAAAAAAEAAACgMgAAVgcAAKr4//8BAAAAf39/AAEAAABkAAAAAAAAABQAAABAHwAAAAAAACYAAAAAAAAAwOD//wAAAAAmAAAAZAAAABYAAABMAAAAAAAAAAAAAAAEAAAAAAAAAAEAAADn5uYKAAAAACgAAAAoAAAAZAAAAGQAAAAAAAAAzMzMAAAAAABQAAAAUAAAAGQAAABkAAAAAAAAABcAAAAUAAAAAAAAAAAAAAD/fwAA/38AAAAAAAAJAAAABAAAAAAAAAAeAAAAaAAAAAAAAAAAAAAAAAAAAAAAAAAAAAAAECcAABAnAAAAAAAAAAAAAAAAAAAAAAAAAAAAAAAAAAAAAAAAAAAAABQAAAAAAAAAwMD/AAAAAABkAAAAMgAAAAAAAABkAAAAAAAAAH9/fwAKAAAAIgAAABgAAAAAAAAAAAAAAAAAAAAAAAAAAAAAAAAAAAAkAAAAJAAAAAAAAAAHAAAAAAAAAAAAAAAAAAAAAAAAAAAAAAAAAAAAf39/ACUAAABYAAAAAAAAAAAAAAAAAAAAAAAAAAAAAAAAAAAAAAAAAAAAAAAAAAAAAAAAAAAAAAA/AAAAAAAAAKCGAQAAAAAAAAAAAAAAAAAMAAAAAQAAAAAAAAAAAAAAAAAAAB8AAABUAAAAAAAABQAAAAEAAAAAAAAAAAAAAAAAAAAAAAAAAAAAAAAAAAAAAAAAAAAAAAJ/f38AAAAAA8zMzADAwP8Af39/AAAAAAAAAAAAAAAAAAAAAAAAAAAAIQAAABgAAAAUAAAAwAMAAK8BAAA/RwAAuggAABAAAAAmAAAACAAAADwgAAAAAAAA"/>
               </a:ext>
             </a:extLst>
           </p:cNvSpPr>
@@ -4267,7 +4275,7 @@
             <a:spLocks noGrp="1" noChangeArrowheads="1"/>
             <a:extLst>
               <a:ext uri="smNativeData">
-                <pr:smNativeData xmlns:pr="smNativeData" xmlns="smNativeData" val="SMDATA_15_q5OGZBMAAAAlAAAAZAAAAA0AAAAAAAAAAAAAAAAAAAAAAAAAAAAAAAABAAAAAAAAAAEAAABQAAAAAAAAAAAA4D8AAAAAAADgPwAAAAAAAOA/AAAAAAAA4D8AAAAAAADgPwAAAAAAAOA/AAAAAAAA4D8AAAAAAADgPwAAAAAAAOA/AAAAAAAA4D8CAAAAjAAAAAAAAAAAAAAARHLEDP///wgAAAAAAAAAAAAAAAAAAAAAAAAAAAAAAAAAAAAAZAAAAAEAAABAAAAAAAAAAAAAAAAAAAAAAAAAAAAAAAAAAAAAAAAAAAAAAAAAAAAAAAAAAAAAAAAAAAAAAAAAAAAAAAAAAAAAAAAAAAAAAAAAAAAAAAAAAAAAAAAAAAAAFAAAADwAAAAAAAAAAAAAAAAAAAkUAAAAAQAAABQAAAAUAAAAFAAAAAEAAAAAAAAAZAAAAGQAAAAAAAAAZAAAAGQAAAAVAAAAYAAAAAAAAAAAAAAADwAAACADAAAAAAAAAAAAAAEAAACgMgAAVgcAAKr4//8BAAAAf39/AAEAAABkAAAAAAAAABQAAABAHwAAAAAAACYAAAAAAAAAwOD//wAAAAAmAAAAZAAAABYAAABMAAAAAAAAAAAAAAAEAAAAAAAAAAEAAADn5uYKAAAAACgAAAAoAAAAZAAAAGQAAAAAAAAAzMzMAAAAAABQAAAAUAAAAGQAAABkAAAAAAAAABcAAAAUAAAAAAAAAAAAAAD/fwAA/38AAAAAAAAJAAAABAAAAAAAAAAeAAAAaAAAAAAAAAAAAAAAAAAAAAAAAAAAAAAAECcAABAnAAAAAAAAAAAAAAAAAAAAAAAAAAAAAAAAAAAAAAAAAAAAABQAAAAAAAAAwMD/AAAAAABkAAAAMgAAAAAAAABkAAAAAAAAAH9/fwAKAAAAIgAAABgAAAAAAAAAAAAAAAAAAAAAAAAAAAAAAAAAAAAkAAAAJAAAAAAAAAAHAAAAAAAAAAAAAAAAAAAAAAAAAAAAAAAAAAAAf39/ACUAAABYAAAAAAAAAAAAAAAAAAAAAAAAAAAAAAAAAAAAAAAAAAAAAAAAAAAAAAAAAAAAAAA/AAAAAAAAAKCGAQAAAAAAAAAAAAAAAAAMAAAAAQAAAAAAAAAAAAAAAAAAAB8AAABUAAAAAAAABQAAAAEAAAAAAAAAAAAAAAAAAAAAAAAAAAAAAAAAAAAAAAAAAAAAAAJ/f38AAAAAA8zMzADAwP8Af39/AAAAAAAAAAAAAAAAAAAAAAAAAAAAIQAAABgAAAAUAAAAwAMAAN8JAAA/RwAAViIAABAAAAAmAAAACAAAALwgAAAAAAAA"/>
+                <pr:smNativeData xmlns="smNativeData" xmlns:pr="smNativeData" xmlns:p15="http://schemas.microsoft.com/office/powerpoint/2012/main" xmlns:p14="http://schemas.microsoft.com/office/powerpoint/2010/main" xmlns:mc="http://schemas.openxmlformats.org/markup-compatibility/2006" val="SMDATA_15_q5OGZBMAAAAlAAAAZAAAAA0AAAAAAAAAAAAAAAAAAAAAAAAAAAAAAAABAAAAAAAAAAEAAABQAAAAAAAAAAAA4D8AAAAAAADgPwAAAAAAAOA/AAAAAAAA4D8AAAAAAADgPwAAAAAAAOA/AAAAAAAA4D8AAAAAAADgPwAAAAAAAOA/AAAAAAAA4D8CAAAAjAAAAAAAAAAAAAAARHLEDP///wgAAAAAAAAAAAAAAAAAAAAAAAAAAAAAAAAAAAAAZAAAAAEAAABAAAAAAAAAAAAAAAAAAAAAAAAAAAAAAAAAAAAAAAAAAAAAAAAAAAAAAAAAAAAAAAAAAAAAAAAAAAAAAAAAAAAAAAAAAAAAAAAAAAAAAAAAAAAAAAAAAAAAFAAAADwAAAAAAAAAAAAAAAAAAAkUAAAAAQAAABQAAAAUAAAAFAAAAAEAAAAAAAAAZAAAAGQAAAAAAAAAZAAAAGQAAAAVAAAAYAAAAAAAAAAAAAAADwAAACADAAAAAAAAAAAAAAEAAACgMgAAVgcAAKr4//8BAAAAf39/AAEAAABkAAAAAAAAABQAAABAHwAAAAAAACYAAAAAAAAAwOD//wAAAAAmAAAAZAAAABYAAABMAAAAAAAAAAAAAAAEAAAAAAAAAAEAAADn5uYKAAAAACgAAAAoAAAAZAAAAGQAAAAAAAAAzMzMAAAAAABQAAAAUAAAAGQAAABkAAAAAAAAABcAAAAUAAAAAAAAAAAAAAD/fwAA/38AAAAAAAAJAAAABAAAAAAAAAAeAAAAaAAAAAAAAAAAAAAAAAAAAAAAAAAAAAAAECcAABAnAAAAAAAAAAAAAAAAAAAAAAAAAAAAAAAAAAAAAAAAAAAAABQAAAAAAAAAwMD/AAAAAABkAAAAMgAAAAAAAABkAAAAAAAAAH9/fwAKAAAAIgAAABgAAAAAAAAAAAAAAAAAAAAAAAAAAAAAAAAAAAAkAAAAJAAAAAAAAAAHAAAAAAAAAAAAAAAAAAAAAAAAAAAAAAAAAAAAf39/ACUAAABYAAAAAAAAAAAAAAAAAAAAAAAAAAAAAAAAAAAAAAAAAAAAAAAAAAAAAAAAAAAAAAA/AAAAAAAAAKCGAQAAAAAAAAAAAAAAAAAMAAAAAQAAAAAAAAAAAAAAAAAAAB8AAABUAAAAAAAABQAAAAEAAAAAAAAAAAAAAAAAAAAAAAAAAAAAAAAAAAAAAAAAAAAAAAJ/f38AAAAAA8zMzADAwP8Af39/AAAAAAAAAAAAAAAAAAAAAAAAAAAAIQAAABgAAAAUAAAAwAMAAN8JAAA/RwAAViIAABAAAAAmAAAACAAAALwgAAAAAAAA"/>
               </a:ext>
             </a:extLst>
           </p:cNvSpPr>
@@ -4300,7 +4308,7 @@
 </file>
 
 <file path=ppt/slideLayouts/slideLayout39.xml><?xml version="1.0" encoding="utf-8"?>
-<p:sldLayout xmlns:p="http://schemas.openxmlformats.org/presentationml/2006/main" xmlns:mc="http://schemas.openxmlformats.org/markup-compatibility/2006" xmlns:p14="http://schemas.microsoft.com/office/powerpoint/2010/main" xmlns:p15="http://schemas.microsoft.com/office/powerpoint/2012/main" xmlns:r="http://schemas.openxmlformats.org/officeDocument/2006/relationships" xmlns:a="http://schemas.openxmlformats.org/drawingml/2006/main" type="obj" preserve="1">
+<p:sldLayout xmlns:a="http://schemas.openxmlformats.org/drawingml/2006/main" xmlns:r="http://schemas.openxmlformats.org/officeDocument/2006/relationships" xmlns:p="http://schemas.openxmlformats.org/presentationml/2006/main" type="obj" preserve="1">
   <p:cSld name="Title, Content">
     <p:spTree>
       <p:nvGrpSpPr>
@@ -4323,7 +4331,7 @@
             <a:spLocks noGrp="1" noChangeArrowheads="1"/>
             <a:extLst>
               <a:ext uri="smNativeData">
-                <pr:smNativeData xmlns:pr="smNativeData" xmlns="smNativeData" val="SMDATA_15_q5OGZBMAAAAlAAAAZAAAAA0AAAAAAAAAAAAAAAAAAAAAAAAAAAAAAAABAAAAAAAAAAEAAABQAAAAAAAAAAAA4D8AAAAAAADgPwAAAAAAAOA/AAAAAAAA4D8AAAAAAADgPwAAAAAAAOA/AAAAAAAA4D8AAAAAAADgPwAAAAAAAOA/AAAAAAAA4D8CAAAAjAAAAAAAAAAAAAAARHLEDP///wgAAAAAAAAAAAAAAAAAAAAAAAAAAAAAAAAAAAAAZAAAAAEAAABAAAAAAAAAAAAAAAAAAAAAAAAAAAAAAAAAAAAAAAAAAAAAAAAAAAAAAAAAAAAAAAAAAAAAAAAAAAAAAAAAAAAAAAAAAAAAAAAAAAAAAAAAAAAAAAAAAAAAFAAAADwAAAAAAAAAAAAAAAAAAAkUAAAAAQAAABQAAAAUAAAAFAAAAAEAAAAAAAAAZAAAAGQAAAAAAAAAZAAAAGQAAAAVAAAAYAAAAAAAAAAAAAAADwAAACADAAAAAAAAAAAAAAEAAACgMgAAVgcAAKr4//8BAAAAf39/AAEAAABkAAAAAAAAABQAAABAHwAAAAAAACYAAAAAAAAAwOD//wAAAAAmAAAAZAAAABYAAABMAAAAAAAAAAAAAAAEAAAAAAAAAAEAAADn5uYKAAAAACgAAAAoAAAAZAAAAGQAAAAAAAAAzMzMAAAAAABQAAAAUAAAAGQAAABkAAAAAAAAABcAAAAUAAAAAAAAAAAAAAD/fwAA/38AAAAAAAAJAAAABAAAAAAAAAAeAAAAaAAAAAAAAAAAAAAAAAAAAAAAAAAAAAAAECcAABAnAAAAAAAAAAAAAAAAAAAAAAAAAAAAAAAAAAAAAAAAAAAAABQAAAAAAAAAwMD/AAAAAABkAAAAMgAAAAAAAABkAAAAAAAAAH9/fwAKAAAAIgAAABgAAAAAAAAAAAAAAAAAAAAAAAAAAAAAAAAAAAAkAAAAJAAAAAAAAAAHAAAAAAAAAAAAAAAAAAAAAAAAAAAAAAAAAAAAf39/ACUAAABYAAAAAAAAAAAAAAAAAAAAAAAAAAAAAAAAAAAAAAAAAAAAAAAAAAAAAAAAAAAAAAA/AAAAAAAAAKCGAQAAAAAAAAAAAAAAAAAMAAAAAQAAAAAAAAAAAAAAAAAAAB8AAABUAAAAAAAABQAAAAEAAAAAAAAAAAAAAAAAAAAAAAAAAAAAAAAAAAAAAAAAAAAAAAJ/f38AAAAAA8zMzADAwP8Af39/AAAAAAAAAAAAAAAAAAAAAAAAAAAAIQAAABgAAAAUAAAAwAMAAK8BAAA/RwAAuggAABAAAAAmAAAACAAAADwgAAAAAAAA"/>
+                <pr:smNativeData xmlns="smNativeData" xmlns:pr="smNativeData" xmlns:p15="http://schemas.microsoft.com/office/powerpoint/2012/main" xmlns:p14="http://schemas.microsoft.com/office/powerpoint/2010/main" xmlns:mc="http://schemas.openxmlformats.org/markup-compatibility/2006" val="SMDATA_15_q5OGZBMAAAAlAAAAZAAAAA0AAAAAAAAAAAAAAAAAAAAAAAAAAAAAAAABAAAAAAAAAAEAAABQAAAAAAAAAAAA4D8AAAAAAADgPwAAAAAAAOA/AAAAAAAA4D8AAAAAAADgPwAAAAAAAOA/AAAAAAAA4D8AAAAAAADgPwAAAAAAAOA/AAAAAAAA4D8CAAAAjAAAAAAAAAAAAAAARHLEDP///wgAAAAAAAAAAAAAAAAAAAAAAAAAAAAAAAAAAAAAZAAAAAEAAABAAAAAAAAAAAAAAAAAAAAAAAAAAAAAAAAAAAAAAAAAAAAAAAAAAAAAAAAAAAAAAAAAAAAAAAAAAAAAAAAAAAAAAAAAAAAAAAAAAAAAAAAAAAAAAAAAAAAAFAAAADwAAAAAAAAAAAAAAAAAAAkUAAAAAQAAABQAAAAUAAAAFAAAAAEAAAAAAAAAZAAAAGQAAAAAAAAAZAAAAGQAAAAVAAAAYAAAAAAAAAAAAAAADwAAACADAAAAAAAAAAAAAAEAAACgMgAAVgcAAKr4//8BAAAAf39/AAEAAABkAAAAAAAAABQAAABAHwAAAAAAACYAAAAAAAAAwOD//wAAAAAmAAAAZAAAABYAAABMAAAAAAAAAAAAAAAEAAAAAAAAAAEAAADn5uYKAAAAACgAAAAoAAAAZAAAAGQAAAAAAAAAzMzMAAAAAABQAAAAUAAAAGQAAABkAAAAAAAAABcAAAAUAAAAAAAAAAAAAAD/fwAA/38AAAAAAAAJAAAABAAAAAAAAAAeAAAAaAAAAAAAAAAAAAAAAAAAAAAAAAAAAAAAECcAABAnAAAAAAAAAAAAAAAAAAAAAAAAAAAAAAAAAAAAAAAAAAAAABQAAAAAAAAAwMD/AAAAAABkAAAAMgAAAAAAAABkAAAAAAAAAH9/fwAKAAAAIgAAABgAAAAAAAAAAAAAAAAAAAAAAAAAAAAAAAAAAAAkAAAAJAAAAAAAAAAHAAAAAAAAAAAAAAAAAAAAAAAAAAAAAAAAAAAAf39/ACUAAABYAAAAAAAAAAAAAAAAAAAAAAAAAAAAAAAAAAAAAAAAAAAAAAAAAAAAAAAAAAAAAAA/AAAAAAAAAKCGAQAAAAAAAAAAAAAAAAAMAAAAAQAAAAAAAAAAAAAAAAAAAB8AAABUAAAAAAAABQAAAAEAAAAAAAAAAAAAAAAAAAAAAAAAAAAAAAAAAAAAAAAAAAAAAAJ/f38AAAAAA8zMzADAwP8Af39/AAAAAAAAAAAAAAAAAAAAAAAAAAAAIQAAABgAAAAUAAAAwAMAAK8BAAA/RwAAuggAABAAAAAmAAAACAAAADwgAAAAAAAA"/>
               </a:ext>
             </a:extLst>
           </p:cNvSpPr>
@@ -4354,7 +4362,7 @@
             <a:spLocks noGrp="1" noChangeArrowheads="1"/>
             <a:extLst>
               <a:ext uri="smNativeData">
-                <pr:smNativeData xmlns:pr="smNativeData" xmlns="smNativeData" val="SMDATA_15_q5OGZBMAAAAlAAAAZAAAAA0AAAAAAAAAAAAAAAAAAAAAAAAAAAAAAAAAAAAAAAAAAAEAAABQAAAAAAAAAAAA4D8AAAAAAADgPwAAAAAAAOA/AAAAAAAA4D8AAAAAAADgPwAAAAAAAOA/AAAAAAAA4D8AAAAAAADgPwAAAAAAAOA/AAAAAAAA4D8CAAAAjAAAAAAAAAAAAAAARHLEDP///wgAAAAAAAAAAAAAAAAAAAAAAAAAAAAAAAAAAAAAZAAAAAEAAABAAAAAAAAAAAAAAAAAAAAAAAAAAAAAAAAAAAAAAAAAAAAAAAAAAAAAAAAAAAAAAAAAAAAAAAAAAAAAAAAAAAAAAAAAAAAAAAAAAAAAAAAAAAAAAAAAAAAAFAAAADwAAAAAAAAAAAAAAAAAAAkUAAAAAQAAABQAAAAUAAAAFAAAAAEAAAAAAAAAZAAAAGQAAAAAAAAAZAAAAGQAAAAVAAAAYAAAAAAAAAAAAAAADwAAACADAAAAAAAAAAAAAAEAAACgMgAAVgcAAKr4//8BAAAAf39/AAEAAABkAAAAAAAAABQAAABAHwAAAAAAACYAAAAAAAAAwOD//wAAAAAmAAAAZAAAABYAAABMAAAAAAAAAAAAAAAEAAAAAAAAAAEAAADn5uYKAAAAACgAAAAoAAAAZAAAAGQAAAAAAAAAzMzMAAAAAABQAAAAUAAAAGQAAABkAAAAAAAAABcAAAAUAAAAAAAAAAAAAAD/fwAA/38AAAAAAAAJAAAABAAAAAAAAAAeAAAAaAAAAAAAAAAAAAAAAAAAAAAAAAAAAAAAECcAABAnAAAAAAAAAAAAAAAAAAAAAAAAAAAAAAAAAAAAAAAAAAAAABQAAAAAAAAAwMD/AAAAAABkAAAAMgAAAAAAAABkAAAAAAAAAH9/fwAKAAAAIgAAABgAAAAAAAAAAAAAAAAAAAAAAAAAAAAAAAAAAAAkAAAAJAAAAAAAAAAHAAAAAAAAAAAAAAAAAAAAAAAAAAAAAAAAAAAAf39/ACUAAABYAAAAAAAAAAAAAAAAAAAAAAAAAAAAAAAAAAAAAAAAAAAAAAAAAAAAAAAAAAAAAAA/AAAAAAAAAKCGAQAAAAAAAAAAAAAAAAAMAAAAAQAAAAAAAAAAAAAAAAAAAB8AAABUAAAAAAAABQAAAAEAAAAAAAAAAAAAAAAAAAAAAAAAAAAAAAAAAAAAAAAAAAAAAAJ/f38AAAAAA8zMzADAwP8Af39/AAAAAAAAAAAAAAAAAAAAAAAAAAAAIQAAABgAAAAUAAAAwAMAAN8JAAA/RwAAViIAABAAAAAmAAAACAAAADwgAAAAAAAA"/>
+                <pr:smNativeData xmlns="smNativeData" xmlns:pr="smNativeData" xmlns:p15="http://schemas.microsoft.com/office/powerpoint/2012/main" xmlns:p14="http://schemas.microsoft.com/office/powerpoint/2010/main" xmlns:mc="http://schemas.openxmlformats.org/markup-compatibility/2006" val="SMDATA_15_q5OGZBMAAAAlAAAAZAAAAA0AAAAAAAAAAAAAAAAAAAAAAAAAAAAAAAAAAAAAAAAAAAEAAABQAAAAAAAAAAAA4D8AAAAAAADgPwAAAAAAAOA/AAAAAAAA4D8AAAAAAADgPwAAAAAAAOA/AAAAAAAA4D8AAAAAAADgPwAAAAAAAOA/AAAAAAAA4D8CAAAAjAAAAAAAAAAAAAAARHLEDP///wgAAAAAAAAAAAAAAAAAAAAAAAAAAAAAAAAAAAAAZAAAAAEAAABAAAAAAAAAAAAAAAAAAAAAAAAAAAAAAAAAAAAAAAAAAAAAAAAAAAAAAAAAAAAAAAAAAAAAAAAAAAAAAAAAAAAAAAAAAAAAAAAAAAAAAAAAAAAAAAAAAAAAFAAAADwAAAAAAAAAAAAAAAAAAAkUAAAAAQAAABQAAAAUAAAAFAAAAAEAAAAAAAAAZAAAAGQAAAAAAAAAZAAAAGQAAAAVAAAAYAAAAAAAAAAAAAAADwAAACADAAAAAAAAAAAAAAEAAACgMgAAVgcAAKr4//8BAAAAf39/AAEAAABkAAAAAAAAABQAAABAHwAAAAAAACYAAAAAAAAAwOD//wAAAAAmAAAAZAAAABYAAABMAAAAAAAAAAAAAAAEAAAAAAAAAAEAAADn5uYKAAAAACgAAAAoAAAAZAAAAGQAAAAAAAAAzMzMAAAAAABQAAAAUAAAAGQAAABkAAAAAAAAABcAAAAUAAAAAAAAAAAAAAD/fwAA/38AAAAAAAAJAAAABAAAAAAAAAAeAAAAaAAAAAAAAAAAAAAAAAAAAAAAAAAAAAAAECcAABAnAAAAAAAAAAAAAAAAAAAAAAAAAAAAAAAAAAAAAAAAAAAAABQAAAAAAAAAwMD/AAAAAABkAAAAMgAAAAAAAABkAAAAAAAAAH9/fwAKAAAAIgAAABgAAAAAAAAAAAAAAAAAAAAAAAAAAAAAAAAAAAAkAAAAJAAAAAAAAAAHAAAAAAAAAAAAAAAAAAAAAAAAAAAAAAAAAAAAf39/ACUAAABYAAAAAAAAAAAAAAAAAAAAAAAAAAAAAAAAAAAAAAAAAAAAAAAAAAAAAAAAAAAAAAA/AAAAAAAAAKCGAQAAAAAAAAAAAAAAAAAMAAAAAQAAAAAAAAAAAAAAAAAAAB8AAABUAAAAAAAABQAAAAEAAAAAAAAAAAAAAAAAAAAAAAAAAAAAAAAAAAAAAAAAAAAAAAJ/f38AAAAAA8zMzADAwP8Af39/AAAAAAAAAAAAAAAAAAAAAAAAAAAAIQAAABgAAAAUAAAAwAMAAN8JAAA/RwAAViIAABAAAAAmAAAACAAAADwgAAAAAAAA"/>
               </a:ext>
             </a:extLst>
           </p:cNvSpPr>
@@ -4387,7 +4395,7 @@
 </file>
 
 <file path=ppt/slideLayouts/slideLayout4.xml><?xml version="1.0" encoding="utf-8"?>
-<p:sldLayout xmlns:p="http://schemas.openxmlformats.org/presentationml/2006/main" xmlns:mc="http://schemas.openxmlformats.org/markup-compatibility/2006" xmlns:p14="http://schemas.microsoft.com/office/powerpoint/2010/main" xmlns:p15="http://schemas.microsoft.com/office/powerpoint/2012/main" xmlns:r="http://schemas.openxmlformats.org/officeDocument/2006/relationships" xmlns:a="http://schemas.openxmlformats.org/drawingml/2006/main" type="twoObj" preserve="1">
+<p:sldLayout xmlns:a="http://schemas.openxmlformats.org/drawingml/2006/main" xmlns:r="http://schemas.openxmlformats.org/officeDocument/2006/relationships" xmlns:p="http://schemas.openxmlformats.org/presentationml/2006/main" type="twoObj" preserve="1">
   <p:cSld name="Title, 2 Content">
     <p:spTree>
       <p:nvGrpSpPr>
@@ -4410,7 +4418,7 @@
             <a:spLocks noGrp="1" noChangeArrowheads="1"/>
             <a:extLst>
               <a:ext uri="smNativeData">
-                <pr:smNativeData xmlns:pr="smNativeData" xmlns="smNativeData" val="SMDATA_15_q5OGZBMAAAAlAAAAZAAAAA0AAAAAAAAAAAAAAAAAAAAAAAAAAAAAAAABAAAAAAAAAAEAAABQAAAAAAAAAAAA4D8AAAAAAADgPwAAAAAAAOA/AAAAAAAA4D8AAAAAAADgPwAAAAAAAOA/AAAAAAAA4D8AAAAAAADgPwAAAAAAAOA/AAAAAAAA4D8CAAAAjAAAAAAAAAAAAAAARHLEDP///wgAAAAAAAAAAAAAAAAAAAAAAAAAAAAAAAAAAAAAZAAAAAEAAABAAAAAAAAAAAAAAAAAAAAAAAAAAAAAAAAAAAAAAAAAAAAAAAAAAAAAAAAAAAAAAAAAAAAAAAAAAAAAAAAAAAAAAAAAAAAAAAAAAAAAAAAAAAAAAAAAAAAAFAAAADwAAAAAAAAAAAAAAAAAAAkUAAAAAQAAABQAAAAUAAAAFAAAAAEAAAAAAAAAZAAAAGQAAAAAAAAAZAAAAGQAAAAVAAAAYAAAAAAAAAAAAAAADwAAACADAAAAAAAAAAAAAAEAAACgMgAAVgcAAKr4//8BAAAAf39/AAEAAABkAAAAAAAAABQAAABAHwAAAAAAACYAAAAAAAAAwOD//wAAAAAmAAAAZAAAABYAAABMAAAAAAAAAAAAAAAEAAAAAAAAAAEAAADn5uYKAAAAACgAAAAoAAAAZAAAAGQAAAAAAAAAzMzMAAAAAABQAAAAUAAAAGQAAABkAAAAAAAAABcAAAAUAAAAAAAAAAAAAAD/fwAA/38AAAAAAAAJAAAABAAAAAAAAAAeAAAAaAAAAAAAAAAAAAAAAAAAAAAAAAAAAAAAECcAABAnAAAAAAAAAAAAAAAAAAAAAAAAAAAAAAAAAAAAAAAAAAAAABQAAAAAAAAAwMD/AAAAAABkAAAAMgAAAAAAAABkAAAAAAAAAH9/fwAKAAAAIgAAABgAAAAAAAAAAAAAAAAAAAAAAAAAAAAAAAAAAAAkAAAAJAAAAAAAAAAHAAAAAAAAAAAAAAAAAAAAAAAAAAAAAAAAAAAAf39/ACUAAABYAAAAAAAAAAAAAAAAAAAAAAAAAAAAAAAAAAAAAAAAAAAAAAAAAAAAAAAAAAAAAAA/AAAAAAAAAKCGAQAAAAAAAAAAAAAAAAAMAAAAAQAAAAAAAAAAAAAAAAAAAB8AAABUAAAAAAAABQAAAAEAAAAAAAAAAAAAAAAAAAAAAAAAAAAAAAAAAAAAAAAAAAAAAAJ/f38AAAAAA8zMzADAwP8Af39/AAAAAAAAAAAAAAAAAAAAAAAAAAAAIQAAABgAAAAUAAAAwAMAAK8BAAA/RwAAuggAABAAAAAmAAAACAAAAD0gAAAAAAAA"/>
+                <pr:smNativeData xmlns="smNativeData" xmlns:pr="smNativeData" xmlns:p15="http://schemas.microsoft.com/office/powerpoint/2012/main" xmlns:p14="http://schemas.microsoft.com/office/powerpoint/2010/main" xmlns:mc="http://schemas.openxmlformats.org/markup-compatibility/2006" val="SMDATA_15_q5OGZBMAAAAlAAAAZAAAAA0AAAAAAAAAAAAAAAAAAAAAAAAAAAAAAAABAAAAAAAAAAEAAABQAAAAAAAAAAAA4D8AAAAAAADgPwAAAAAAAOA/AAAAAAAA4D8AAAAAAADgPwAAAAAAAOA/AAAAAAAA4D8AAAAAAADgPwAAAAAAAOA/AAAAAAAA4D8CAAAAjAAAAAAAAAAAAAAARHLEDP///wgAAAAAAAAAAAAAAAAAAAAAAAAAAAAAAAAAAAAAZAAAAAEAAABAAAAAAAAAAAAAAAAAAAAAAAAAAAAAAAAAAAAAAAAAAAAAAAAAAAAAAAAAAAAAAAAAAAAAAAAAAAAAAAAAAAAAAAAAAAAAAAAAAAAAAAAAAAAAAAAAAAAAFAAAADwAAAAAAAAAAAAAAAAAAAkUAAAAAQAAABQAAAAUAAAAFAAAAAEAAAAAAAAAZAAAAGQAAAAAAAAAZAAAAGQAAAAVAAAAYAAAAAAAAAAAAAAADwAAACADAAAAAAAAAAAAAAEAAACgMgAAVgcAAKr4//8BAAAAf39/AAEAAABkAAAAAAAAABQAAABAHwAAAAAAACYAAAAAAAAAwOD//wAAAAAmAAAAZAAAABYAAABMAAAAAAAAAAAAAAAEAAAAAAAAAAEAAADn5uYKAAAAACgAAAAoAAAAZAAAAGQAAAAAAAAAzMzMAAAAAABQAAAAUAAAAGQAAABkAAAAAAAAABcAAAAUAAAAAAAAAAAAAAD/fwAA/38AAAAAAAAJAAAABAAAAAAAAAAeAAAAaAAAAAAAAAAAAAAAAAAAAAAAAAAAAAAAECcAABAnAAAAAAAAAAAAAAAAAAAAAAAAAAAAAAAAAAAAAAAAAAAAABQAAAAAAAAAwMD/AAAAAABkAAAAMgAAAAAAAABkAAAAAAAAAH9/fwAKAAAAIgAAABgAAAAAAAAAAAAAAAAAAAAAAAAAAAAAAAAAAAAkAAAAJAAAAAAAAAAHAAAAAAAAAAAAAAAAAAAAAAAAAAAAAAAAAAAAf39/ACUAAABYAAAAAAAAAAAAAAAAAAAAAAAAAAAAAAAAAAAAAAAAAAAAAAAAAAAAAAAAAAAAAAA/AAAAAAAAAKCGAQAAAAAAAAAAAAAAAAAMAAAAAQAAAAAAAAAAAAAAAAAAAB8AAABUAAAAAAAABQAAAAEAAAAAAAAAAAAAAAAAAAAAAAAAAAAAAAAAAAAAAAAAAAAAAAJ/f38AAAAAA8zMzADAwP8Af39/AAAAAAAAAAAAAAAAAAAAAAAAAAAAIQAAABgAAAAUAAAAwAMAAK8BAAA/RwAAuggAABAAAAAmAAAACAAAAD0gAAAAAAAA"/>
               </a:ext>
             </a:extLst>
           </p:cNvSpPr>
@@ -4446,7 +4454,7 @@
             <a:spLocks noGrp="1" noChangeArrowheads="1"/>
             <a:extLst>
               <a:ext uri="smNativeData">
-                <pr:smNativeData xmlns:pr="smNativeData" xmlns="smNativeData" val="SMDATA_15_q5OGZBMAAAAlAAAAZAAAAA0AAAAAAAAAAAAAAAAAAAAAAAAAAAAAAAAAAAAAAAAAAAEAAABQAAAAAAAAAAAA4D8AAAAAAADgPwAAAAAAAOA/AAAAAAAA4D8AAAAAAADgPwAAAAAAAOA/AAAAAAAA4D8AAAAAAADgPwAAAAAAAOA/AAAAAAAA4D8CAAAAjAAAAAAAAAAAAAAARHLEDP///wgAAAAAAAAAAAAAAAAAAAAAAAAAAAAAAAAAAAAAZAAAAAEAAABAAAAAAAAAAAAAAAAAAAAAAAAAAAAAAAAAAAAAAAAAAAAAAAAAAAAAAAAAAAAAAAAAAAAAAAAAAAAAAAAAAAAAAAAAAAAAAAAAAAAAAAAAAAAAAAAAAAAAFAAAADwAAAAAAAAAAAAAAAAAAAkUAAAAAQAAABQAAAAUAAAAFAAAAAEAAAAAAAAAZAAAAGQAAAAAAAAAZAAAAGQAAAAVAAAAYAAAAAAAAAAAAAAADwAAACADAAAAAAAAAAAAAAEAAACgMgAAVgcAAKr4//8BAAAAf39/AAEAAABkAAAAAAAAABQAAABAHwAAAAAAACYAAAAAAAAAwOD//wAAAAAmAAAAZAAAABYAAABMAAAAAAAAAAAAAAAEAAAAAAAAAAEAAADn5uYKAAAAACgAAAAoAAAAZAAAAGQAAAAAAAAAzMzMAAAAAABQAAAAUAAAAGQAAABkAAAAAAAAABcAAAAUAAAAAAAAAAAAAAD/fwAA/38AAAAAAAAJAAAABAAAAAAAAAAeAAAAaAAAAAAAAAAAAAAAAAAAAAAAAAAAAAAAECcAABAnAAAAAAAAAAAAAAAAAAAAAAAAAAAAAAAAAAAAAAAAAAAAABQAAAAAAAAAwMD/AAAAAABkAAAAMgAAAAAAAABkAAAAAAAAAH9/fwAKAAAAIgAAABgAAAAAAAAAAAAAAAAAAAAAAAAAAAAAAAAAAAAkAAAAJAAAAAAAAAAHAAAAAAAAAAAAAAAAAAAAAAAAAAAAAAAAAAAAf39/ACUAAABYAAAAAAAAAAAAAAAAAAAAAAAAAAAAAAAAAAAAAAAAAAAAAAAAAAAAAAAAAAAAAAA/AAAAAAAAAKCGAQAAAAAAAAAAAAAAAAAMAAAAAQAAAAAAAAAAAAAAAAAAAB8AAABUAAAAAAAABQAAAAEAAAAAAAAAAAAAAAAAAAAAAAAAAAAAAAAAAAAAAAAAAAAAAAJ/f38AAAAAA8zMzADAwP8Af39/AAAAAAAAAAAAAAAAAAAAAAAAAAAAIQAAABgAAAAUAAAAwAMAAN8JAACwJAAAViIAABAAAAAmAAAACAAAAD0gAAAAAAAA"/>
+                <pr:smNativeData xmlns="smNativeData" xmlns:pr="smNativeData" xmlns:p15="http://schemas.microsoft.com/office/powerpoint/2012/main" xmlns:p14="http://schemas.microsoft.com/office/powerpoint/2010/main" xmlns:mc="http://schemas.openxmlformats.org/markup-compatibility/2006" val="SMDATA_15_q5OGZBMAAAAlAAAAZAAAAA0AAAAAAAAAAAAAAAAAAAAAAAAAAAAAAAAAAAAAAAAAAAEAAABQAAAAAAAAAAAA4D8AAAAAAADgPwAAAAAAAOA/AAAAAAAA4D8AAAAAAADgPwAAAAAAAOA/AAAAAAAA4D8AAAAAAADgPwAAAAAAAOA/AAAAAAAA4D8CAAAAjAAAAAAAAAAAAAAARHLEDP///wgAAAAAAAAAAAAAAAAAAAAAAAAAAAAAAAAAAAAAZAAAAAEAAABAAAAAAAAAAAAAAAAAAAAAAAAAAAAAAAAAAAAAAAAAAAAAAAAAAAAAAAAAAAAAAAAAAAAAAAAAAAAAAAAAAAAAAAAAAAAAAAAAAAAAAAAAAAAAAAAAAAAAFAAAADwAAAAAAAAAAAAAAAAAAAkUAAAAAQAAABQAAAAUAAAAFAAAAAEAAAAAAAAAZAAAAGQAAAAAAAAAZAAAAGQAAAAVAAAAYAAAAAAAAAAAAAAADwAAACADAAAAAAAAAAAAAAEAAACgMgAAVgcAAKr4//8BAAAAf39/AAEAAABkAAAAAAAAABQAAABAHwAAAAAAACYAAAAAAAAAwOD//wAAAAAmAAAAZAAAABYAAABMAAAAAAAAAAAAAAAEAAAAAAAAAAEAAADn5uYKAAAAACgAAAAoAAAAZAAAAGQAAAAAAAAAzMzMAAAAAABQAAAAUAAAAGQAAABkAAAAAAAAABcAAAAUAAAAAAAAAAAAAAD/fwAA/38AAAAAAAAJAAAABAAAAAAAAAAeAAAAaAAAAAAAAAAAAAAAAAAAAAAAAAAAAAAAECcAABAnAAAAAAAAAAAAAAAAAAAAAAAAAAAAAAAAAAAAAAAAAAAAABQAAAAAAAAAwMD/AAAAAABkAAAAMgAAAAAAAABkAAAAAAAAAH9/fwAKAAAAIgAAABgAAAAAAAAAAAAAAAAAAAAAAAAAAAAAAAAAAAAkAAAAJAAAAAAAAAAHAAAAAAAAAAAAAAAAAAAAAAAAAAAAAAAAAAAAf39/ACUAAABYAAAAAAAAAAAAAAAAAAAAAAAAAAAAAAAAAAAAAAAAAAAAAAAAAAAAAAAAAAAAAAA/AAAAAAAAAKCGAQAAAAAAAAAAAAAAAAAMAAAAAQAAAAAAAAAAAAAAAAAAAB8AAABUAAAAAAAABQAAAAEAAAAAAAAAAAAAAAAAAAAAAAAAAAAAAAAAAAAAAAAAAAAAAAJ/f38AAAAAA8zMzADAwP8Af39/AAAAAAAAAAAAAAAAAAAAAAAAAAAAIQAAABgAAAAUAAAAwAMAAN8JAACwJAAAViIAABAAAAAmAAAACAAAAD0gAAAAAAAA"/>
               </a:ext>
             </a:extLst>
           </p:cNvSpPr>
@@ -4482,7 +4490,7 @@
             <a:spLocks noGrp="1" noChangeArrowheads="1"/>
             <a:extLst>
               <a:ext uri="smNativeData">
-                <pr:smNativeData xmlns:pr="smNativeData" xmlns="smNativeData" val="SMDATA_15_q5OGZBMAAAAlAAAAZAAAAA0AAAAAAAAAAAAAAAAAAAAAAAAAAAAAAAAAAAAAAAAAAAEAAABQAAAAAAAAAAAA4D8AAAAAAADgPwAAAAAAAOA/AAAAAAAA4D8AAAAAAADgPwAAAAAAAOA/AAAAAAAA4D8AAAAAAADgPwAAAAAAAOA/AAAAAAAA4D8CAAAAjAAAAAAAAAAAAAAARHLEDP///wgAAAAAAAAAAAAAAAAAAAAAAAAAAAAAAAAAAAAAZAAAAAEAAABAAAAAAAAAAAAAAAAAAAAAAAAAAAAAAAAAAAAAAAAAAAAAAAAAAAAAAAAAAAAAAAAAAAAAAAAAAAAAAAAAAAAAAAAAAAAAAAAAAAAAAAAAAAAAAAAAAAAAFAAAADwAAAAAAAAAAAAAAAAAAAkUAAAAAQAAABQAAAAUAAAAFAAAAAEAAAAAAAAAZAAAAGQAAAAAAAAAZAAAAGQAAAAVAAAAYAAAAAAAAAAAAAAADwAAACADAAAAAAAAAAAAAAEAAACgMgAAVgcAAKr4//8BAAAAf39/AAEAAABkAAAAAAAAABQAAABAHwAAAAAAACYAAAAAAAAAwOD//wAAAAAmAAAAZAAAABYAAABMAAAAAAAAAAAAAAAEAAAAAAAAAAEAAADn5uYKAAAAACgAAAAoAAAAZAAAAGQAAAAAAAAAzMzMAAAAAABQAAAAUAAAAGQAAABkAAAAAAAAABcAAAAUAAAAAAAAAAAAAAD/fwAA/38AAAAAAAAJAAAABAAAAAAAAAAeAAAAaAAAAAAAAAAAAAAAAAAAAAAAAAAAAAAAECcAABAnAAAAAAAAAAAAAAAAAAAAAAAAAAAAAAAAAAAAAAAAAAAAABQAAAAAAAAAwMD/AAAAAABkAAAAMgAAAAAAAABkAAAAAAAAAH9/fwAKAAAAIgAAABgAAAAAAAAAAAAAAAAAAAAAAAAAAAAAAAAAAAAkAAAAJAAAAAAAAAAHAAAAAAAAAAAAAAAAAAAAAAAAAAAAAAAAAAAAf39/ACUAAABYAAAAAAAAAAAAAAAAAAAAAAAAAAAAAAAAAAAAAAAAAAAAAAAAAAAAAAAAAAAAAAA/AAAAAAAAAKCGAQAAAAAAAAAAAAAAAAAMAAAAAQAAAAAAAAAAAAAAAAAAAB8AAABUAAAAAAAABQAAAAEAAAAAAAAAAAAAAAAAAAAAAAAAAAAAAAAAAAAAAAAAAAAAAAJ/f38AAAAAA8zMzADAwP8Af39/AAAAAAAAAAAAAAAAAAAAAAAAAAAAIQAAABgAAAAUAAAAViYAAN8JAABGRwAAViIAABAAAAAmAAAACAAAAD0gAAAAAAAA"/>
+                <pr:smNativeData xmlns="smNativeData" xmlns:pr="smNativeData" xmlns:p15="http://schemas.microsoft.com/office/powerpoint/2012/main" xmlns:p14="http://schemas.microsoft.com/office/powerpoint/2010/main" xmlns:mc="http://schemas.openxmlformats.org/markup-compatibility/2006" val="SMDATA_15_q5OGZBMAAAAlAAAAZAAAAA0AAAAAAAAAAAAAAAAAAAAAAAAAAAAAAAAAAAAAAAAAAAEAAABQAAAAAAAAAAAA4D8AAAAAAADgPwAAAAAAAOA/AAAAAAAA4D8AAAAAAADgPwAAAAAAAOA/AAAAAAAA4D8AAAAAAADgPwAAAAAAAOA/AAAAAAAA4D8CAAAAjAAAAAAAAAAAAAAARHLEDP///wgAAAAAAAAAAAAAAAAAAAAAAAAAAAAAAAAAAAAAZAAAAAEAAABAAAAAAAAAAAAAAAAAAAAAAAAAAAAAAAAAAAAAAAAAAAAAAAAAAAAAAAAAAAAAAAAAAAAAAAAAAAAAAAAAAAAAAAAAAAAAAAAAAAAAAAAAAAAAAAAAAAAAFAAAADwAAAAAAAAAAAAAAAAAAAkUAAAAAQAAABQAAAAUAAAAFAAAAAEAAAAAAAAAZAAAAGQAAAAAAAAAZAAAAGQAAAAVAAAAYAAAAAAAAAAAAAAADwAAACADAAAAAAAAAAAAAAEAAACgMgAAVgcAAKr4//8BAAAAf39/AAEAAABkAAAAAAAAABQAAABAHwAAAAAAACYAAAAAAAAAwOD//wAAAAAmAAAAZAAAABYAAABMAAAAAAAAAAAAAAAEAAAAAAAAAAEAAADn5uYKAAAAACgAAAAoAAAAZAAAAGQAAAAAAAAAzMzMAAAAAABQAAAAUAAAAGQAAABkAAAAAAAAABcAAAAUAAAAAAAAAAAAAAD/fwAA/38AAAAAAAAJAAAABAAAAAAAAAAeAAAAaAAAAAAAAAAAAAAAAAAAAAAAAAAAAAAAECcAABAnAAAAAAAAAAAAAAAAAAAAAAAAAAAAAAAAAAAAAAAAAAAAABQAAAAAAAAAwMD/AAAAAABkAAAAMgAAAAAAAABkAAAAAAAAAH9/fwAKAAAAIgAAABgAAAAAAAAAAAAAAAAAAAAAAAAAAAAAAAAAAAAkAAAAJAAAAAAAAAAHAAAAAAAAAAAAAAAAAAAAAAAAAAAAAAAAAAAAf39/ACUAAABYAAAAAAAAAAAAAAAAAAAAAAAAAAAAAAAAAAAAAAAAAAAAAAAAAAAAAAAAAAAAAAA/AAAAAAAAAKCGAQAAAAAAAAAAAAAAAAAMAAAAAQAAAAAAAAAAAAAAAAAAAB8AAABUAAAAAAAABQAAAAEAAAAAAAAAAAAAAAAAAAAAAAAAAAAAAAAAAAAAAAAAAAAAAAJ/f38AAAAAA8zMzADAwP8Af39/AAAAAAAAAAAAAAAAAAAAAAAAAAAAIQAAABgAAAAUAAAAViYAAN8JAABGRwAAViIAABAAAAAmAAAACAAAAD0gAAAAAAAA"/>
               </a:ext>
             </a:extLst>
           </p:cNvSpPr>
@@ -4520,7 +4528,7 @@
 </file>
 
 <file path=ppt/slideLayouts/slideLayout40.xml><?xml version="1.0" encoding="utf-8"?>
-<p:sldLayout xmlns:p="http://schemas.openxmlformats.org/presentationml/2006/main" xmlns:mc="http://schemas.openxmlformats.org/markup-compatibility/2006" xmlns:p14="http://schemas.microsoft.com/office/powerpoint/2010/main" xmlns:p15="http://schemas.microsoft.com/office/powerpoint/2012/main" xmlns:r="http://schemas.openxmlformats.org/officeDocument/2006/relationships" xmlns:a="http://schemas.openxmlformats.org/drawingml/2006/main" type="twoObj" preserve="1">
+<p:sldLayout xmlns:a="http://schemas.openxmlformats.org/drawingml/2006/main" xmlns:r="http://schemas.openxmlformats.org/officeDocument/2006/relationships" xmlns:p="http://schemas.openxmlformats.org/presentationml/2006/main" type="twoObj" preserve="1">
   <p:cSld name="Title, 2 Content">
     <p:spTree>
       <p:nvGrpSpPr>
@@ -4543,7 +4551,7 @@
             <a:spLocks noGrp="1" noChangeArrowheads="1"/>
             <a:extLst>
               <a:ext uri="smNativeData">
-                <pr:smNativeData xmlns:pr="smNativeData" xmlns="smNativeData" val="SMDATA_15_q5OGZBMAAAAlAAAAZAAAAA0AAAAAAAAAAAAAAAAAAAAAAAAAAAAAAAABAAAAAAAAAAEAAABQAAAAAAAAAAAA4D8AAAAAAADgPwAAAAAAAOA/AAAAAAAA4D8AAAAAAADgPwAAAAAAAOA/AAAAAAAA4D8AAAAAAADgPwAAAAAAAOA/AAAAAAAA4D8CAAAAjAAAAAAAAAAAAAAARHLEDP///wgAAAAAAAAAAAAAAAAAAAAAAAAAAAAAAAAAAAAAZAAAAAEAAABAAAAAAAAAAAAAAAAAAAAAAAAAAAAAAAAAAAAAAAAAAAAAAAAAAAAAAAAAAAAAAAAAAAAAAAAAAAAAAAAAAAAAAAAAAAAAAAAAAAAAAAAAAAAAAAAAAAAAFAAAADwAAAAAAAAAAAAAAAAAAAkUAAAAAQAAABQAAAAUAAAAFAAAAAEAAAAAAAAAZAAAAGQAAAAAAAAAZAAAAGQAAAAVAAAAYAAAAAAAAAAAAAAADwAAACADAAAAAAAAAAAAAAEAAACgMgAAVgcAAKr4//8BAAAAf39/AAEAAABkAAAAAAAAABQAAABAHwAAAAAAACYAAAAAAAAAwOD//wAAAAAmAAAAZAAAABYAAABMAAAAAAAAAAAAAAAEAAAAAAAAAAEAAADn5uYKAAAAACgAAAAoAAAAZAAAAGQAAAAAAAAAzMzMAAAAAABQAAAAUAAAAGQAAABkAAAAAAAAABcAAAAUAAAAAAAAAAAAAAD/fwAA/38AAAAAAAAJAAAABAAAAAAAAAAeAAAAaAAAAAAAAAAAAAAAAAAAAAAAAAAAAAAAECcAABAnAAAAAAAAAAAAAAAAAAAAAAAAAAAAAAAAAAAAAAAAAAAAABQAAAAAAAAAwMD/AAAAAABkAAAAMgAAAAAAAABkAAAAAAAAAH9/fwAKAAAAIgAAABgAAAAAAAAAAAAAAAAAAAAAAAAAAAAAAAAAAAAkAAAAJAAAAAAAAAAHAAAAAAAAAAAAAAAAAAAAAAAAAAAAAAAAAAAAf39/ACUAAABYAAAAAAAAAAAAAAAAAAAAAAAAAAAAAAAAAAAAAAAAAAAAAAAAAAAAAAAAAAAAAAA/AAAAAAAAAKCGAQAAAAAAAAAAAAAAAAAMAAAAAQAAAAAAAAAAAAAAAAAAAB8AAABUAAAAAAAABQAAAAEAAAAAAAAAAAAAAAAAAAAAAAAAAAAAAAAAAAAAAAAAAAAAAAJ/f38AAAAAA8zMzADAwP8Af39/AAAAAAAAAAAAAAAAAAAAAAAAAAAAIQAAABgAAAAUAAAAwAMAAK8BAAA/RwAAuggAABAAAAAmAAAACAAAADwgAAAAAAAA"/>
+                <pr:smNativeData xmlns="smNativeData" xmlns:pr="smNativeData" xmlns:p15="http://schemas.microsoft.com/office/powerpoint/2012/main" xmlns:p14="http://schemas.microsoft.com/office/powerpoint/2010/main" xmlns:mc="http://schemas.openxmlformats.org/markup-compatibility/2006" val="SMDATA_15_q5OGZBMAAAAlAAAAZAAAAA0AAAAAAAAAAAAAAAAAAAAAAAAAAAAAAAABAAAAAAAAAAEAAABQAAAAAAAAAAAA4D8AAAAAAADgPwAAAAAAAOA/AAAAAAAA4D8AAAAAAADgPwAAAAAAAOA/AAAAAAAA4D8AAAAAAADgPwAAAAAAAOA/AAAAAAAA4D8CAAAAjAAAAAAAAAAAAAAARHLEDP///wgAAAAAAAAAAAAAAAAAAAAAAAAAAAAAAAAAAAAAZAAAAAEAAABAAAAAAAAAAAAAAAAAAAAAAAAAAAAAAAAAAAAAAAAAAAAAAAAAAAAAAAAAAAAAAAAAAAAAAAAAAAAAAAAAAAAAAAAAAAAAAAAAAAAAAAAAAAAAAAAAAAAAFAAAADwAAAAAAAAAAAAAAAAAAAkUAAAAAQAAABQAAAAUAAAAFAAAAAEAAAAAAAAAZAAAAGQAAAAAAAAAZAAAAGQAAAAVAAAAYAAAAAAAAAAAAAAADwAAACADAAAAAAAAAAAAAAEAAACgMgAAVgcAAKr4//8BAAAAf39/AAEAAABkAAAAAAAAABQAAABAHwAAAAAAACYAAAAAAAAAwOD//wAAAAAmAAAAZAAAABYAAABMAAAAAAAAAAAAAAAEAAAAAAAAAAEAAADn5uYKAAAAACgAAAAoAAAAZAAAAGQAAAAAAAAAzMzMAAAAAABQAAAAUAAAAGQAAABkAAAAAAAAABcAAAAUAAAAAAAAAAAAAAD/fwAA/38AAAAAAAAJAAAABAAAAAAAAAAeAAAAaAAAAAAAAAAAAAAAAAAAAAAAAAAAAAAAECcAABAnAAAAAAAAAAAAAAAAAAAAAAAAAAAAAAAAAAAAAAAAAAAAABQAAAAAAAAAwMD/AAAAAABkAAAAMgAAAAAAAABkAAAAAAAAAH9/fwAKAAAAIgAAABgAAAAAAAAAAAAAAAAAAAAAAAAAAAAAAAAAAAAkAAAAJAAAAAAAAAAHAAAAAAAAAAAAAAAAAAAAAAAAAAAAAAAAAAAAf39/ACUAAABYAAAAAAAAAAAAAAAAAAAAAAAAAAAAAAAAAAAAAAAAAAAAAAAAAAAAAAAAAAAAAAA/AAAAAAAAAKCGAQAAAAAAAAAAAAAAAAAMAAAAAQAAAAAAAAAAAAAAAAAAAB8AAABUAAAAAAAABQAAAAEAAAAAAAAAAAAAAAAAAAAAAAAAAAAAAAAAAAAAAAAAAAAAAAJ/f38AAAAAA8zMzADAwP8Af39/AAAAAAAAAAAAAAAAAAAAAAAAAAAAIQAAABgAAAAUAAAAwAMAAK8BAAA/RwAAuggAABAAAAAmAAAACAAAADwgAAAAAAAA"/>
               </a:ext>
             </a:extLst>
           </p:cNvSpPr>
@@ -4574,7 +4582,7 @@
             <a:spLocks noGrp="1" noChangeArrowheads="1"/>
             <a:extLst>
               <a:ext uri="smNativeData">
-                <pr:smNativeData xmlns:pr="smNativeData" xmlns="smNativeData" val="SMDATA_15_q5OGZBMAAAAlAAAAZAAAAA0AAAAAAAAAAAAAAAAAAAAAAAAAAAAAAAAAAAAAAAAAAAEAAABQAAAAAAAAAAAA4D8AAAAAAADgPwAAAAAAAOA/AAAAAAAA4D8AAAAAAADgPwAAAAAAAOA/AAAAAAAA4D8AAAAAAADgPwAAAAAAAOA/AAAAAAAA4D8CAAAAjAAAAAAAAAAAAAAARHLEDP///wgAAAAAAAAAAAAAAAAAAAAAAAAAAAAAAAAAAAAAZAAAAAEAAABAAAAAAAAAAAAAAAAAAAAAAAAAAAAAAAAAAAAAAAAAAAAAAAAAAAAAAAAAAAAAAAAAAAAAAAAAAAAAAAAAAAAAAAAAAAAAAAAAAAAAAAAAAAAAAAAAAAAAFAAAADwAAAAAAAAAAAAAAAAAAAkUAAAAAQAAABQAAAAUAAAAFAAAAAEAAAAAAAAAZAAAAGQAAAAAAAAAZAAAAGQAAAAVAAAAYAAAAAAAAAAAAAAADwAAACADAAAAAAAAAAAAAAEAAACgMgAAVgcAAKr4//8BAAAAf39/AAEAAABkAAAAAAAAABQAAABAHwAAAAAAACYAAAAAAAAAwOD//wAAAAAmAAAAZAAAABYAAABMAAAAAAAAAAAAAAAEAAAAAAAAAAEAAADn5uYKAAAAACgAAAAoAAAAZAAAAGQAAAAAAAAAzMzMAAAAAABQAAAAUAAAAGQAAABkAAAAAAAAABcAAAAUAAAAAAAAAAAAAAD/fwAA/38AAAAAAAAJAAAABAAAAAAAAAAeAAAAaAAAAAAAAAAAAAAAAAAAAAAAAAAAAAAAECcAABAnAAAAAAAAAAAAAAAAAAAAAAAAAAAAAAAAAAAAAAAAAAAAABQAAAAAAAAAwMD/AAAAAABkAAAAMgAAAAAAAABkAAAAAAAAAH9/fwAKAAAAIgAAABgAAAAAAAAAAAAAAAAAAAAAAAAAAAAAAAAAAAAkAAAAJAAAAAAAAAAHAAAAAAAAAAAAAAAAAAAAAAAAAAAAAAAAAAAAf39/ACUAAABYAAAAAAAAAAAAAAAAAAAAAAAAAAAAAAAAAAAAAAAAAAAAAAAAAAAAAAAAAAAAAAA/AAAAAAAAAKCGAQAAAAAAAAAAAAAAAAAMAAAAAQAAAAAAAAAAAAAAAAAAAB8AAABUAAAAAAAABQAAAAEAAAAAAAAAAAAAAAAAAAAAAAAAAAAAAAAAAAAAAAAAAAAAAAJ/f38AAAAAA8zMzADAwP8Af39/AAAAAAAAAAAAAAAAAAAAAAAAAAAAIQAAABgAAAAUAAAAwAMAAN8JAACwJAAAViIAABAAAAAmAAAACAAAAD0gAAAAAAAA"/>
+                <pr:smNativeData xmlns="smNativeData" xmlns:pr="smNativeData" xmlns:p15="http://schemas.microsoft.com/office/powerpoint/2012/main" xmlns:p14="http://schemas.microsoft.com/office/powerpoint/2010/main" xmlns:mc="http://schemas.openxmlformats.org/markup-compatibility/2006" val="SMDATA_15_q5OGZBMAAAAlAAAAZAAAAA0AAAAAAAAAAAAAAAAAAAAAAAAAAAAAAAAAAAAAAAAAAAEAAABQAAAAAAAAAAAA4D8AAAAAAADgPwAAAAAAAOA/AAAAAAAA4D8AAAAAAADgPwAAAAAAAOA/AAAAAAAA4D8AAAAAAADgPwAAAAAAAOA/AAAAAAAA4D8CAAAAjAAAAAAAAAAAAAAARHLEDP///wgAAAAAAAAAAAAAAAAAAAAAAAAAAAAAAAAAAAAAZAAAAAEAAABAAAAAAAAAAAAAAAAAAAAAAAAAAAAAAAAAAAAAAAAAAAAAAAAAAAAAAAAAAAAAAAAAAAAAAAAAAAAAAAAAAAAAAAAAAAAAAAAAAAAAAAAAAAAAAAAAAAAAFAAAADwAAAAAAAAAAAAAAAAAAAkUAAAAAQAAABQAAAAUAAAAFAAAAAEAAAAAAAAAZAAAAGQAAAAAAAAAZAAAAGQAAAAVAAAAYAAAAAAAAAAAAAAADwAAACADAAAAAAAAAAAAAAEAAACgMgAAVgcAAKr4//8BAAAAf39/AAEAAABkAAAAAAAAABQAAABAHwAAAAAAACYAAAAAAAAAwOD//wAAAAAmAAAAZAAAABYAAABMAAAAAAAAAAAAAAAEAAAAAAAAAAEAAADn5uYKAAAAACgAAAAoAAAAZAAAAGQAAAAAAAAAzMzMAAAAAABQAAAAUAAAAGQAAABkAAAAAAAAABcAAAAUAAAAAAAAAAAAAAD/fwAA/38AAAAAAAAJAAAABAAAAAAAAAAeAAAAaAAAAAAAAAAAAAAAAAAAAAAAAAAAAAAAECcAABAnAAAAAAAAAAAAAAAAAAAAAAAAAAAAAAAAAAAAAAAAAAAAABQAAAAAAAAAwMD/AAAAAABkAAAAMgAAAAAAAABkAAAAAAAAAH9/fwAKAAAAIgAAABgAAAAAAAAAAAAAAAAAAAAAAAAAAAAAAAAAAAAkAAAAJAAAAAAAAAAHAAAAAAAAAAAAAAAAAAAAAAAAAAAAAAAAAAAAf39/ACUAAABYAAAAAAAAAAAAAAAAAAAAAAAAAAAAAAAAAAAAAAAAAAAAAAAAAAAAAAAAAAAAAAA/AAAAAAAAAKCGAQAAAAAAAAAAAAAAAAAMAAAAAQAAAAAAAAAAAAAAAAAAAB8AAABUAAAAAAAABQAAAAEAAAAAAAAAAAAAAAAAAAAAAAAAAAAAAAAAAAAAAAAAAAAAAAJ/f38AAAAAA8zMzADAwP8Af39/AAAAAAAAAAAAAAAAAAAAAAAAAAAAIQAAABgAAAAUAAAAwAMAAN8JAACwJAAAViIAABAAAAAmAAAACAAAAD0gAAAAAAAA"/>
               </a:ext>
             </a:extLst>
           </p:cNvSpPr>
@@ -4610,7 +4618,7 @@
             <a:spLocks noGrp="1" noChangeArrowheads="1"/>
             <a:extLst>
               <a:ext uri="smNativeData">
-                <pr:smNativeData xmlns:pr="smNativeData" xmlns="smNativeData" val="SMDATA_15_q5OGZBMAAAAlAAAAZAAAAA0AAAAAAAAAAAAAAAAAAAAAAAAAAAAAAAAAAAAAAAAAAAEAAABQAAAAAAAAAAAA4D8AAAAAAADgPwAAAAAAAOA/AAAAAAAA4D8AAAAAAADgPwAAAAAAAOA/AAAAAAAA4D8AAAAAAADgPwAAAAAAAOA/AAAAAAAA4D8CAAAAjAAAAAAAAAAAAAAARHLEDP///wgAAAAAAAAAAAAAAAAAAAAAAAAAAAAAAAAAAAAAZAAAAAEAAABAAAAAAAAAAAAAAAAAAAAAAAAAAAAAAAAAAAAAAAAAAAAAAAAAAAAAAAAAAAAAAAAAAAAAAAAAAAAAAAAAAAAAAAAAAAAAAAAAAAAAAAAAAAAAAAAAAAAAFAAAADwAAAAAAAAAAAAAAAAAAAkUAAAAAQAAABQAAAAUAAAAFAAAAAEAAAAAAAAAZAAAAGQAAAAAAAAAZAAAAGQAAAAVAAAAYAAAAAAAAAAAAAAADwAAACADAAAAAAAAAAAAAAEAAACgMgAAVgcAAKr4//8BAAAAf39/AAEAAABkAAAAAAAAABQAAABAHwAAAAAAACYAAAAAAAAAwOD//wAAAAAmAAAAZAAAABYAAABMAAAAAAAAAAAAAAAEAAAAAAAAAAEAAADn5uYKAAAAACgAAAAoAAAAZAAAAGQAAAAAAAAAzMzMAAAAAABQAAAAUAAAAGQAAABkAAAAAAAAABcAAAAUAAAAAAAAAAAAAAD/fwAA/38AAAAAAAAJAAAABAAAAAAAAAAeAAAAaAAAAAAAAAAAAAAAAAAAAAAAAAAAAAAAECcAABAnAAAAAAAAAAAAAAAAAAAAAAAAAAAAAAAAAAAAAAAAAAAAABQAAAAAAAAAwMD/AAAAAABkAAAAMgAAAAAAAABkAAAAAAAAAH9/fwAKAAAAIgAAABgAAAAAAAAAAAAAAAAAAAAAAAAAAAAAAAAAAAAkAAAAJAAAAAAAAAAHAAAAAAAAAAAAAAAAAAAAAAAAAAAAAAAAAAAAf39/ACUAAABYAAAAAAAAAAAAAAAAAAAAAAAAAAAAAAAAAAAAAAAAAAAAAAAAAAAAAAAAAAAAAAA/AAAAAAAAAKCGAQAAAAAAAAAAAAAAAAAMAAAAAQAAAAAAAAAAAAAAAAAAAB8AAABUAAAAAAAABQAAAAEAAAAAAAAAAAAAAAAAAAAAAAAAAAAAAAAAAAAAAAAAAAAAAAJ/f38AAAAAA8zMzADAwP8Af39/AAAAAAAAAAAAAAAAAAAAAAAAAAAAIQAAABgAAAAUAAAAViYAAN8JAABGRwAAViIAABAAAAAmAAAACAAAAD0gAAAAAAAA"/>
+                <pr:smNativeData xmlns="smNativeData" xmlns:pr="smNativeData" xmlns:p15="http://schemas.microsoft.com/office/powerpoint/2012/main" xmlns:p14="http://schemas.microsoft.com/office/powerpoint/2010/main" xmlns:mc="http://schemas.openxmlformats.org/markup-compatibility/2006" val="SMDATA_15_q5OGZBMAAAAlAAAAZAAAAA0AAAAAAAAAAAAAAAAAAAAAAAAAAAAAAAAAAAAAAAAAAAEAAABQAAAAAAAAAAAA4D8AAAAAAADgPwAAAAAAAOA/AAAAAAAA4D8AAAAAAADgPwAAAAAAAOA/AAAAAAAA4D8AAAAAAADgPwAAAAAAAOA/AAAAAAAA4D8CAAAAjAAAAAAAAAAAAAAARHLEDP///wgAAAAAAAAAAAAAAAAAAAAAAAAAAAAAAAAAAAAAZAAAAAEAAABAAAAAAAAAAAAAAAAAAAAAAAAAAAAAAAAAAAAAAAAAAAAAAAAAAAAAAAAAAAAAAAAAAAAAAAAAAAAAAAAAAAAAAAAAAAAAAAAAAAAAAAAAAAAAAAAAAAAAFAAAADwAAAAAAAAAAAAAAAAAAAkUAAAAAQAAABQAAAAUAAAAFAAAAAEAAAAAAAAAZAAAAGQAAAAAAAAAZAAAAGQAAAAVAAAAYAAAAAAAAAAAAAAADwAAACADAAAAAAAAAAAAAAEAAACgMgAAVgcAAKr4//8BAAAAf39/AAEAAABkAAAAAAAAABQAAABAHwAAAAAAACYAAAAAAAAAwOD//wAAAAAmAAAAZAAAABYAAABMAAAAAAAAAAAAAAAEAAAAAAAAAAEAAADn5uYKAAAAACgAAAAoAAAAZAAAAGQAAAAAAAAAzMzMAAAAAABQAAAAUAAAAGQAAABkAAAAAAAAABcAAAAUAAAAAAAAAAAAAAD/fwAA/38AAAAAAAAJAAAABAAAAAAAAAAeAAAAaAAAAAAAAAAAAAAAAAAAAAAAAAAAAAAAECcAABAnAAAAAAAAAAAAAAAAAAAAAAAAAAAAAAAAAAAAAAAAAAAAABQAAAAAAAAAwMD/AAAAAABkAAAAMgAAAAAAAABkAAAAAAAAAH9/fwAKAAAAIgAAABgAAAAAAAAAAAAAAAAAAAAAAAAAAAAAAAAAAAAkAAAAJAAAAAAAAAAHAAAAAAAAAAAAAAAAAAAAAAAAAAAAAAAAAAAAf39/ACUAAABYAAAAAAAAAAAAAAAAAAAAAAAAAAAAAAAAAAAAAAAAAAAAAAAAAAAAAAAAAAAAAAA/AAAAAAAAAKCGAQAAAAAAAAAAAAAAAAAMAAAAAQAAAAAAAAAAAAAAAAAAAB8AAABUAAAAAAAABQAAAAEAAAAAAAAAAAAAAAAAAAAAAAAAAAAAAAAAAAAAAAAAAAAAAAJ/f38AAAAAA8zMzADAwP8Af39/AAAAAAAAAAAAAAAAAAAAAAAAAAAAIQAAABgAAAAUAAAAViYAAN8JAABGRwAAViIAABAAAAAmAAAACAAAAD0gAAAAAAAA"/>
               </a:ext>
             </a:extLst>
           </p:cNvSpPr>
@@ -4648,7 +4656,7 @@
 </file>
 
 <file path=ppt/slideLayouts/slideLayout41.xml><?xml version="1.0" encoding="utf-8"?>
-<p:sldLayout xmlns:p="http://schemas.openxmlformats.org/presentationml/2006/main" xmlns:mc="http://schemas.openxmlformats.org/markup-compatibility/2006" xmlns:p14="http://schemas.microsoft.com/office/powerpoint/2010/main" xmlns:p15="http://schemas.microsoft.com/office/powerpoint/2012/main" xmlns:r="http://schemas.openxmlformats.org/officeDocument/2006/relationships" xmlns:a="http://schemas.openxmlformats.org/drawingml/2006/main" type="titleOnly" preserve="1">
+<p:sldLayout xmlns:a="http://schemas.openxmlformats.org/drawingml/2006/main" xmlns:r="http://schemas.openxmlformats.org/officeDocument/2006/relationships" xmlns:p="http://schemas.openxmlformats.org/presentationml/2006/main" type="titleOnly" preserve="1">
   <p:cSld name="Title Only">
     <p:spTree>
       <p:nvGrpSpPr>
@@ -4671,7 +4679,7 @@
             <a:spLocks noGrp="1" noChangeArrowheads="1"/>
             <a:extLst>
               <a:ext uri="smNativeData">
-                <pr:smNativeData xmlns:pr="smNativeData" xmlns="smNativeData" val="SMDATA_15_q5OGZBMAAAAlAAAAZAAAAA0AAAAAAAAAAAAAAAAAAAAAAAAAAAAAAAABAAAAAAAAAAEAAABQAAAAAAAAAAAA4D8AAAAAAADgPwAAAAAAAOA/AAAAAAAA4D8AAAAAAADgPwAAAAAAAOA/AAAAAAAA4D8AAAAAAADgPwAAAAAAAOA/AAAAAAAA4D8CAAAAjAAAAAAAAAAAAAAARHLEDP///wgAAAAAAAAAAAAAAAAAAAAAAAAAAAAAAAAAAAAAZAAAAAEAAABAAAAAAAAAAAAAAAAAAAAAAAAAAAAAAAAAAAAAAAAAAAAAAAAAAAAAAAAAAAAAAAAAAAAAAAAAAAAAAAAAAAAAAAAAAAAAAAAAAAAAAAAAAAAAAAAAAAAAFAAAADwAAAAAAAAAAAAAAAAAAAkUAAAAAQAAABQAAAAUAAAAFAAAAAEAAAAAAAAAZAAAAGQAAAAAAAAAZAAAAGQAAAAVAAAAYAAAAAAAAAAAAAAADwAAACADAAAAAAAAAAAAAAEAAACgMgAAVgcAAKr4//8BAAAAf39/AAEAAABkAAAAAAAAABQAAABAHwAAAAAAACYAAAAAAAAAwOD//wAAAAAmAAAAZAAAABYAAABMAAAAAAAAAAAAAAAEAAAAAAAAAAEAAADn5uYKAAAAACgAAAAoAAAAZAAAAGQAAAAAAAAAzMzMAAAAAABQAAAAUAAAAGQAAABkAAAAAAAAABcAAAAUAAAAAAAAAAAAAAD/fwAA/38AAAAAAAAJAAAABAAAAAAAAAAeAAAAaAAAAAAAAAAAAAAAAAAAAAAAAAAAAAAAECcAABAnAAAAAAAAAAAAAAAAAAAAAAAAAAAAAAAAAAAAAAAAAAAAABQAAAAAAAAAwMD/AAAAAABkAAAAMgAAAAAAAABkAAAAAAAAAH9/fwAKAAAAIgAAABgAAAAAAAAAAAAAAAAAAAAAAAAAAAAAAAAAAAAkAAAAJAAAAAAAAAAHAAAAAAAAAAAAAAAAAAAAAAAAAAAAAAAAAAAAf39/ACUAAABYAAAAAAAAAAAAAAAAAAAAAAAAAAAAAAAAAAAAAAAAAAAAAAAAAAAAAAAAAAAAAAA/AAAAAAAAAKCGAQAAAAAAAAAAAAAAAAAMAAAAAQAAAAAAAAAAAAAAAAAAAB8AAABUAAAAAAAABQAAAAEAAAAAAAAAAAAAAAAAAAAAAAAAAAAAAAAAAAAAAAAAAAAAAAJ/f38AAAAAA8zMzADAwP8Af39/AAAAAAAAAAAAAAAAAAAAAAAAAAAAIQAAABgAAAAUAAAAwAMAAK8BAAA/RwAAuggAABAAAAAmAAAACAAAADwgAAAAAAAA"/>
+                <pr:smNativeData xmlns="smNativeData" xmlns:pr="smNativeData" xmlns:p15="http://schemas.microsoft.com/office/powerpoint/2012/main" xmlns:p14="http://schemas.microsoft.com/office/powerpoint/2010/main" xmlns:mc="http://schemas.openxmlformats.org/markup-compatibility/2006" val="SMDATA_15_q5OGZBMAAAAlAAAAZAAAAA0AAAAAAAAAAAAAAAAAAAAAAAAAAAAAAAABAAAAAAAAAAEAAABQAAAAAAAAAAAA4D8AAAAAAADgPwAAAAAAAOA/AAAAAAAA4D8AAAAAAADgPwAAAAAAAOA/AAAAAAAA4D8AAAAAAADgPwAAAAAAAOA/AAAAAAAA4D8CAAAAjAAAAAAAAAAAAAAARHLEDP///wgAAAAAAAAAAAAAAAAAAAAAAAAAAAAAAAAAAAAAZAAAAAEAAABAAAAAAAAAAAAAAAAAAAAAAAAAAAAAAAAAAAAAAAAAAAAAAAAAAAAAAAAAAAAAAAAAAAAAAAAAAAAAAAAAAAAAAAAAAAAAAAAAAAAAAAAAAAAAAAAAAAAAFAAAADwAAAAAAAAAAAAAAAAAAAkUAAAAAQAAABQAAAAUAAAAFAAAAAEAAAAAAAAAZAAAAGQAAAAAAAAAZAAAAGQAAAAVAAAAYAAAAAAAAAAAAAAADwAAACADAAAAAAAAAAAAAAEAAACgMgAAVgcAAKr4//8BAAAAf39/AAEAAABkAAAAAAAAABQAAABAHwAAAAAAACYAAAAAAAAAwOD//wAAAAAmAAAAZAAAABYAAABMAAAAAAAAAAAAAAAEAAAAAAAAAAEAAADn5uYKAAAAACgAAAAoAAAAZAAAAGQAAAAAAAAAzMzMAAAAAABQAAAAUAAAAGQAAABkAAAAAAAAABcAAAAUAAAAAAAAAAAAAAD/fwAA/38AAAAAAAAJAAAABAAAAAAAAAAeAAAAaAAAAAAAAAAAAAAAAAAAAAAAAAAAAAAAECcAABAnAAAAAAAAAAAAAAAAAAAAAAAAAAAAAAAAAAAAAAAAAAAAABQAAAAAAAAAwMD/AAAAAABkAAAAMgAAAAAAAABkAAAAAAAAAH9/fwAKAAAAIgAAABgAAAAAAAAAAAAAAAAAAAAAAAAAAAAAAAAAAAAkAAAAJAAAAAAAAAAHAAAAAAAAAAAAAAAAAAAAAAAAAAAAAAAAAAAAf39/ACUAAABYAAAAAAAAAAAAAAAAAAAAAAAAAAAAAAAAAAAAAAAAAAAAAAAAAAAAAAAAAAAAAAA/AAAAAAAAAKCGAQAAAAAAAAAAAAAAAAAMAAAAAQAAAAAAAAAAAAAAAAAAAB8AAABUAAAAAAAABQAAAAEAAAAAAAAAAAAAAAAAAAAAAAAAAAAAAAAAAAAAAAAAAAAAAAJ/f38AAAAAA8zMzADAwP8Af39/AAAAAAAAAAAAAAAAAAAAAAAAAAAAIQAAABgAAAAUAAAAwAMAAK8BAAA/RwAAuggAABAAAAAmAAAACAAAADwgAAAAAAAA"/>
               </a:ext>
             </a:extLst>
           </p:cNvSpPr>
@@ -4704,7 +4712,7 @@
 </file>
 
 <file path=ppt/slideLayouts/slideLayout42.xml><?xml version="1.0" encoding="utf-8"?>
-<p:sldLayout xmlns:p="http://schemas.openxmlformats.org/presentationml/2006/main" xmlns:mc="http://schemas.openxmlformats.org/markup-compatibility/2006" xmlns:p14="http://schemas.microsoft.com/office/powerpoint/2010/main" xmlns:p15="http://schemas.microsoft.com/office/powerpoint/2012/main" xmlns:r="http://schemas.openxmlformats.org/officeDocument/2006/relationships" xmlns:a="http://schemas.openxmlformats.org/drawingml/2006/main" type="objOnly" preserve="1">
+<p:sldLayout xmlns:a="http://schemas.openxmlformats.org/drawingml/2006/main" xmlns:r="http://schemas.openxmlformats.org/officeDocument/2006/relationships" xmlns:p="http://schemas.openxmlformats.org/presentationml/2006/main" type="objOnly" preserve="1">
   <p:cSld name="Centered Text">
     <p:spTree>
       <p:nvGrpSpPr>
@@ -4727,7 +4735,7 @@
             <a:spLocks noGrp="1" noChangeArrowheads="1"/>
             <a:extLst>
               <a:ext uri="smNativeData">
-                <pr:smNativeData xmlns:pr="smNativeData" xmlns="smNativeData" val="SMDATA_15_q5OGZBMAAAAlAAAAZAAAAA0AAAAAAAAAAAAAAAAAAAAAAAAAAAAAAAABAAAAAAAAAAEAAABQAAAAAAAAAAAA4D8AAAAAAADgPwAAAAAAAOA/AAAAAAAA4D8AAAAAAADgPwAAAAAAAOA/AAAAAAAA4D8AAAAAAADgPwAAAAAAAOA/AAAAAAAA4D8CAAAAjAAAAAAAAAAAAAAARHLEDP///wgAAAAAAAAAAAAAAAAAAAAAAAAAAAAAAAAAAAAAZAAAAAEAAABAAAAAAAAAAAAAAAAAAAAAAAAAAAAAAAAAAAAAAAAAAAAAAAAAAAAAAAAAAAAAAAAAAAAAAAAAAAAAAAAAAAAAAAAAAAAAAAAAAAAAAAAAAAAAAAAAAAAAFAAAADwAAAAAAAAAAAAAAAAAAAkUAAAAAQAAABQAAAAUAAAAFAAAAAEAAAAAAAAAZAAAAGQAAAAAAAAAZAAAAGQAAAAVAAAAYAAAAAAAAAAAAAAADwAAACADAAAAAAAAAAAAAAEAAACgMgAAVgcAAKr4//8BAAAAf39/AAEAAABkAAAAAAAAABQAAABAHwAAAAAAACYAAAAAAAAAwOD//wAAAAAmAAAAZAAAABYAAABMAAAAAAAAAAAAAAAEAAAAAAAAAAEAAADn5uYKAAAAACgAAAAoAAAAZAAAAGQAAAAAAAAAzMzMAAAAAABQAAAAUAAAAGQAAABkAAAAAAAAABcAAAAUAAAAAAAAAAAAAAD/fwAA/38AAAAAAAAJAAAABAAAAAAAAAAeAAAAaAAAAAAAAAAAAAAAAAAAAAAAAAAAAAAAECcAABAnAAAAAAAAAAAAAAAAAAAAAAAAAAAAAAAAAAAAAAAAAAAAABQAAAAAAAAAwMD/AAAAAABkAAAAMgAAAAAAAABkAAAAAAAAAH9/fwAKAAAAIgAAABgAAAAAAAAAAAAAAAAAAAAAAAAAAAAAAAAAAAAkAAAAJAAAAAAAAAAHAAAAAAAAAAAAAAAAAAAAAAAAAAAAAAAAAAAAf39/ACUAAABYAAAAAAAAAAAAAAAAAAAAAAAAAAAAAAAAAAAAAAAAAAAAAAAAAAAAAAAAAAAAAAA/AAAAAAAAAKCGAQAAAAAAAAAAAAAAAAAMAAAAAQAAAAAAAAAAAAAAAAAAAB8AAABUAAAAAAAABQAAAAEAAAAAAAAAAAAAAAAAAAAAAAAAAAAAAAAAAAAAAAAAAAAAAAJ/f38AAAAAA8zMzADAwP8Af39/AAAAAAAAAAAAAAAAAAAAAAAAAAAAIQAAABgAAAAUAAAAwAMAAK8BAAA/RwAAViIAABAAAAAmAAAACAAAAL0gAAAAAAAA"/>
+                <pr:smNativeData xmlns="smNativeData" xmlns:pr="smNativeData" xmlns:p15="http://schemas.microsoft.com/office/powerpoint/2012/main" xmlns:p14="http://schemas.microsoft.com/office/powerpoint/2010/main" xmlns:mc="http://schemas.openxmlformats.org/markup-compatibility/2006" val="SMDATA_15_q5OGZBMAAAAlAAAAZAAAAA0AAAAAAAAAAAAAAAAAAAAAAAAAAAAAAAABAAAAAAAAAAEAAABQAAAAAAAAAAAA4D8AAAAAAADgPwAAAAAAAOA/AAAAAAAA4D8AAAAAAADgPwAAAAAAAOA/AAAAAAAA4D8AAAAAAADgPwAAAAAAAOA/AAAAAAAA4D8CAAAAjAAAAAAAAAAAAAAARHLEDP///wgAAAAAAAAAAAAAAAAAAAAAAAAAAAAAAAAAAAAAZAAAAAEAAABAAAAAAAAAAAAAAAAAAAAAAAAAAAAAAAAAAAAAAAAAAAAAAAAAAAAAAAAAAAAAAAAAAAAAAAAAAAAAAAAAAAAAAAAAAAAAAAAAAAAAAAAAAAAAAAAAAAAAFAAAADwAAAAAAAAAAAAAAAAAAAkUAAAAAQAAABQAAAAUAAAAFAAAAAEAAAAAAAAAZAAAAGQAAAAAAAAAZAAAAGQAAAAVAAAAYAAAAAAAAAAAAAAADwAAACADAAAAAAAAAAAAAAEAAACgMgAAVgcAAKr4//8BAAAAf39/AAEAAABkAAAAAAAAABQAAABAHwAAAAAAACYAAAAAAAAAwOD//wAAAAAmAAAAZAAAABYAAABMAAAAAAAAAAAAAAAEAAAAAAAAAAEAAADn5uYKAAAAACgAAAAoAAAAZAAAAGQAAAAAAAAAzMzMAAAAAABQAAAAUAAAAGQAAABkAAAAAAAAABcAAAAUAAAAAAAAAAAAAAD/fwAA/38AAAAAAAAJAAAABAAAAAAAAAAeAAAAaAAAAAAAAAAAAAAAAAAAAAAAAAAAAAAAECcAABAnAAAAAAAAAAAAAAAAAAAAAAAAAAAAAAAAAAAAAAAAAAAAABQAAAAAAAAAwMD/AAAAAABkAAAAMgAAAAAAAABkAAAAAAAAAH9/fwAKAAAAIgAAABgAAAAAAAAAAAAAAAAAAAAAAAAAAAAAAAAAAAAkAAAAJAAAAAAAAAAHAAAAAAAAAAAAAAAAAAAAAAAAAAAAAAAAAAAAf39/ACUAAABYAAAAAAAAAAAAAAAAAAAAAAAAAAAAAAAAAAAAAAAAAAAAAAAAAAAAAAAAAAAAAAA/AAAAAAAAAKCGAQAAAAAAAAAAAAAAAAAMAAAAAQAAAAAAAAAAAAAAAAAAAB8AAABUAAAAAAAABQAAAAEAAAAAAAAAAAAAAAAAAAAAAAAAAAAAAAAAAAAAAAAAAAAAAAJ/f38AAAAAA8zMzADAwP8Af39/AAAAAAAAAAAAAAAAAAAAAAAAAAAAIQAAABgAAAAUAAAAwAMAAK8BAAA/RwAAViIAABAAAAAmAAAACAAAAL0gAAAAAAAA"/>
               </a:ext>
             </a:extLst>
           </p:cNvSpPr>
@@ -4765,7 +4773,7 @@
 </file>
 
 <file path=ppt/slideLayouts/slideLayout43.xml><?xml version="1.0" encoding="utf-8"?>
-<p:sldLayout xmlns:p="http://schemas.openxmlformats.org/presentationml/2006/main" xmlns:mc="http://schemas.openxmlformats.org/markup-compatibility/2006" xmlns:p14="http://schemas.microsoft.com/office/powerpoint/2010/main" xmlns:p15="http://schemas.microsoft.com/office/powerpoint/2012/main" xmlns:r="http://schemas.openxmlformats.org/officeDocument/2006/relationships" xmlns:a="http://schemas.openxmlformats.org/drawingml/2006/main" type="twoObjAndObj" preserve="1">
+<p:sldLayout xmlns:a="http://schemas.openxmlformats.org/drawingml/2006/main" xmlns:r="http://schemas.openxmlformats.org/officeDocument/2006/relationships" xmlns:p="http://schemas.openxmlformats.org/presentationml/2006/main" type="twoObjAndObj" preserve="1">
   <p:cSld name="Title, 2 Content and Content">
     <p:spTree>
       <p:nvGrpSpPr>
@@ -4788,7 +4796,7 @@
             <a:spLocks noGrp="1" noChangeArrowheads="1"/>
             <a:extLst>
               <a:ext uri="smNativeData">
-                <pr:smNativeData xmlns:pr="smNativeData" xmlns="smNativeData" val="SMDATA_15_q5OGZBMAAAAlAAAAZAAAAA0AAAAAAAAAAAAAAAAAAAAAAAAAAAAAAAABAAAAAAAAAAEAAABQAAAAAAAAAAAA4D8AAAAAAADgPwAAAAAAAOA/AAAAAAAA4D8AAAAAAADgPwAAAAAAAOA/AAAAAAAA4D8AAAAAAADgPwAAAAAAAOA/AAAAAAAA4D8CAAAAjAAAAAAAAAAAAAAARHLEDP///wgAAAAAAAAAAAAAAAAAAAAAAAAAAAAAAAAAAAAAZAAAAAEAAABAAAAAAAAAAAAAAAAAAAAAAAAAAAAAAAAAAAAAAAAAAAAAAAAAAAAAAAAAAAAAAAAAAAAAAAAAAAAAAAAAAAAAAAAAAAAAAAAAAAAAAAAAAAAAAAAAAAAAFAAAADwAAAAAAAAAAAAAAAAAAAkUAAAAAQAAABQAAAAUAAAAFAAAAAEAAAAAAAAAZAAAAGQAAAAAAAAAZAAAAGQAAAAVAAAAYAAAAAAAAAAAAAAADwAAACADAAAAAAAAAAAAAAEAAACgMgAAVgcAAKr4//8BAAAAf39/AAEAAABkAAAAAAAAABQAAABAHwAAAAAAACYAAAAAAAAAwOD//wAAAAAmAAAAZAAAABYAAABMAAAAAAAAAAAAAAAEAAAAAAAAAAEAAADn5uYKAAAAACgAAAAoAAAAZAAAAGQAAAAAAAAAzMzMAAAAAABQAAAAUAAAAGQAAABkAAAAAAAAABcAAAAUAAAAAAAAAAAAAAD/fwAA/38AAAAAAAAJAAAABAAAAAAAAAAeAAAAaAAAAAAAAAAAAAAAAAAAAAAAAAAAAAAAECcAABAnAAAAAAAAAAAAAAAAAAAAAAAAAAAAAAAAAAAAAAAAAAAAABQAAAAAAAAAwMD/AAAAAABkAAAAMgAAAAAAAABkAAAAAAAAAH9/fwAKAAAAIgAAABgAAAAAAAAAAAAAAAAAAAAAAAAAAAAAAAAAAAAkAAAAJAAAAAAAAAAHAAAAAAAAAAAAAAAAAAAAAAAAAAAAAAAAAAAAf39/ACUAAABYAAAAAAAAAAAAAAAAAAAAAAAAAAAAAAAAAAAAAAAAAAAAAAAAAAAAAAAAAAAAAAA/AAAAAAAAAKCGAQAAAAAAAAAAAAAAAAAMAAAAAQAAAAAAAAAAAAAAAAAAAB8AAABUAAAAAAAABQAAAAEAAAAAAAAAAAAAAAAAAAAAAAAAAAAAAAAAAAAAAAAAAAAAAAJ/f38AAAAAA8zMzADAwP8Af39/AAAAAAAAAAAAAAAAAAAAAAAAAAAAIQAAABgAAAAUAAAAwAMAAK8BAAA/RwAAuggAABAAAAAmAAAACAAAADwgAAAAAAAA"/>
+                <pr:smNativeData xmlns="smNativeData" xmlns:pr="smNativeData" xmlns:p15="http://schemas.microsoft.com/office/powerpoint/2012/main" xmlns:p14="http://schemas.microsoft.com/office/powerpoint/2010/main" xmlns:mc="http://schemas.openxmlformats.org/markup-compatibility/2006" val="SMDATA_15_q5OGZBMAAAAlAAAAZAAAAA0AAAAAAAAAAAAAAAAAAAAAAAAAAAAAAAABAAAAAAAAAAEAAABQAAAAAAAAAAAA4D8AAAAAAADgPwAAAAAAAOA/AAAAAAAA4D8AAAAAAADgPwAAAAAAAOA/AAAAAAAA4D8AAAAAAADgPwAAAAAAAOA/AAAAAAAA4D8CAAAAjAAAAAAAAAAAAAAARHLEDP///wgAAAAAAAAAAAAAAAAAAAAAAAAAAAAAAAAAAAAAZAAAAAEAAABAAAAAAAAAAAAAAAAAAAAAAAAAAAAAAAAAAAAAAAAAAAAAAAAAAAAAAAAAAAAAAAAAAAAAAAAAAAAAAAAAAAAAAAAAAAAAAAAAAAAAAAAAAAAAAAAAAAAAFAAAADwAAAAAAAAAAAAAAAAAAAkUAAAAAQAAABQAAAAUAAAAFAAAAAEAAAAAAAAAZAAAAGQAAAAAAAAAZAAAAGQAAAAVAAAAYAAAAAAAAAAAAAAADwAAACADAAAAAAAAAAAAAAEAAACgMgAAVgcAAKr4//8BAAAAf39/AAEAAABkAAAAAAAAABQAAABAHwAAAAAAACYAAAAAAAAAwOD//wAAAAAmAAAAZAAAABYAAABMAAAAAAAAAAAAAAAEAAAAAAAAAAEAAADn5uYKAAAAACgAAAAoAAAAZAAAAGQAAAAAAAAAzMzMAAAAAABQAAAAUAAAAGQAAABkAAAAAAAAABcAAAAUAAAAAAAAAAAAAAD/fwAA/38AAAAAAAAJAAAABAAAAAAAAAAeAAAAaAAAAAAAAAAAAAAAAAAAAAAAAAAAAAAAECcAABAnAAAAAAAAAAAAAAAAAAAAAAAAAAAAAAAAAAAAAAAAAAAAABQAAAAAAAAAwMD/AAAAAABkAAAAMgAAAAAAAABkAAAAAAAAAH9/fwAKAAAAIgAAABgAAAAAAAAAAAAAAAAAAAAAAAAAAAAAAAAAAAAkAAAAJAAAAAAAAAAHAAAAAAAAAAAAAAAAAAAAAAAAAAAAAAAAAAAAf39/ACUAAABYAAAAAAAAAAAAAAAAAAAAAAAAAAAAAAAAAAAAAAAAAAAAAAAAAAAAAAAAAAAAAAA/AAAAAAAAAKCGAQAAAAAAAAAAAAAAAAAMAAAAAQAAAAAAAAAAAAAAAAAAAB8AAABUAAAAAAAABQAAAAEAAAAAAAAAAAAAAAAAAAAAAAAAAAAAAAAAAAAAAAAAAAAAAAJ/f38AAAAAA8zMzADAwP8Af39/AAAAAAAAAAAAAAAAAAAAAAAAAAAAIQAAABgAAAAUAAAAwAMAAK8BAAA/RwAAuggAABAAAAAmAAAACAAAADwgAAAAAAAA"/>
               </a:ext>
             </a:extLst>
           </p:cNvSpPr>
@@ -4819,7 +4827,7 @@
             <a:spLocks noGrp="1" noChangeArrowheads="1"/>
             <a:extLst>
               <a:ext uri="smNativeData">
-                <pr:smNativeData xmlns:pr="smNativeData" xmlns="smNativeData" val="SMDATA_15_q5OGZBMAAAAlAAAAZAAAAA0AAAAAAAAAAAAAAAAAAAAAAAAAAAAAAAAAAAAAAAAAAAEAAABQAAAAAAAAAAAA4D8AAAAAAADgPwAAAAAAAOA/AAAAAAAA4D8AAAAAAADgPwAAAAAAAOA/AAAAAAAA4D8AAAAAAADgPwAAAAAAAOA/AAAAAAAA4D8CAAAAjAAAAAAAAAAAAAAARHLEDP///wgAAAAAAAAAAAAAAAAAAAAAAAAAAAAAAAAAAAAAZAAAAAEAAABAAAAAAAAAAAAAAAAAAAAAAAAAAAAAAAAAAAAAAAAAAAAAAAAAAAAAAAAAAAAAAAAAAAAAAAAAAAAAAAAAAAAAAAAAAAAAAAAAAAAAAAAAAAAAAAAAAAAAFAAAADwAAAAAAAAAAAAAAAAAAAkUAAAAAQAAABQAAAAUAAAAFAAAAAEAAAAAAAAAZAAAAGQAAAAAAAAAZAAAAGQAAAAVAAAAYAAAAAAAAAAAAAAADwAAACADAAAAAAAAAAAAAAEAAACgMgAAVgcAAKr4//8BAAAAf39/AAEAAABkAAAAAAAAABQAAABAHwAAAAAAACYAAAAAAAAAwOD//wAAAAAmAAAAZAAAABYAAABMAAAAAAAAAAAAAAAEAAAAAAAAAAEAAADn5uYKAAAAACgAAAAoAAAAZAAAAGQAAAAAAAAAzMzMAAAAAABQAAAAUAAAAGQAAABkAAAAAAAAABcAAAAUAAAAAAAAAAAAAAD/fwAA/38AAAAAAAAJAAAABAAAAAAAAAAeAAAAaAAAAAAAAAAAAAAAAAAAAAAAAAAAAAAAECcAABAnAAAAAAAAAAAAAAAAAAAAAAAAAAAAAAAAAAAAAAAAAAAAABQAAAAAAAAAwMD/AAAAAABkAAAAMgAAAAAAAABkAAAAAAAAAH9/fwAKAAAAIgAAABgAAAAAAAAAAAAAAAAAAAAAAAAAAAAAAAAAAAAkAAAAJAAAAAAAAAAHAAAAAAAAAAAAAAAAAAAAAAAAAAAAAAAAAAAAf39/ACUAAABYAAAAAAAAAAAAAAAAAAAAAAAAAAAAAAAAAAAAAAAAAAAAAAAAAAAAAAAAAAAAAAA/AAAAAAAAAKCGAQAAAAAAAAAAAAAAAAAMAAAAAQAAAAAAAAAAAAAAAAAAAB8AAABUAAAAAAAABQAAAAEAAAAAAAAAAAAAAAAAAAAAAAAAAAAAAAAAAAAAAAAAAAAAAAJ/f38AAAAAA8zMzADAwP8Af39/AAAAAAAAAAAAAAAAAAAAAAAAAAAAIQAAABgAAAAUAAAAwAMAAN8JAACwJAAAihUAABAAAAAmAAAACAAAAD0gAAAAAAAA"/>
+                <pr:smNativeData xmlns="smNativeData" xmlns:pr="smNativeData" xmlns:p15="http://schemas.microsoft.com/office/powerpoint/2012/main" xmlns:p14="http://schemas.microsoft.com/office/powerpoint/2010/main" xmlns:mc="http://schemas.openxmlformats.org/markup-compatibility/2006" val="SMDATA_15_q5OGZBMAAAAlAAAAZAAAAA0AAAAAAAAAAAAAAAAAAAAAAAAAAAAAAAAAAAAAAAAAAAEAAABQAAAAAAAAAAAA4D8AAAAAAADgPwAAAAAAAOA/AAAAAAAA4D8AAAAAAADgPwAAAAAAAOA/AAAAAAAA4D8AAAAAAADgPwAAAAAAAOA/AAAAAAAA4D8CAAAAjAAAAAAAAAAAAAAARHLEDP///wgAAAAAAAAAAAAAAAAAAAAAAAAAAAAAAAAAAAAAZAAAAAEAAABAAAAAAAAAAAAAAAAAAAAAAAAAAAAAAAAAAAAAAAAAAAAAAAAAAAAAAAAAAAAAAAAAAAAAAAAAAAAAAAAAAAAAAAAAAAAAAAAAAAAAAAAAAAAAAAAAAAAAFAAAADwAAAAAAAAAAAAAAAAAAAkUAAAAAQAAABQAAAAUAAAAFAAAAAEAAAAAAAAAZAAAAGQAAAAAAAAAZAAAAGQAAAAVAAAAYAAAAAAAAAAAAAAADwAAACADAAAAAAAAAAAAAAEAAACgMgAAVgcAAKr4//8BAAAAf39/AAEAAABkAAAAAAAAABQAAABAHwAAAAAAACYAAAAAAAAAwOD//wAAAAAmAAAAZAAAABYAAABMAAAAAAAAAAAAAAAEAAAAAAAAAAEAAADn5uYKAAAAACgAAAAoAAAAZAAAAGQAAAAAAAAAzMzMAAAAAABQAAAAUAAAAGQAAABkAAAAAAAAABcAAAAUAAAAAAAAAAAAAAD/fwAA/38AAAAAAAAJAAAABAAAAAAAAAAeAAAAaAAAAAAAAAAAAAAAAAAAAAAAAAAAAAAAECcAABAnAAAAAAAAAAAAAAAAAAAAAAAAAAAAAAAAAAAAAAAAAAAAABQAAAAAAAAAwMD/AAAAAABkAAAAMgAAAAAAAABkAAAAAAAAAH9/fwAKAAAAIgAAABgAAAAAAAAAAAAAAAAAAAAAAAAAAAAAAAAAAAAkAAAAJAAAAAAAAAAHAAAAAAAAAAAAAAAAAAAAAAAAAAAAAAAAAAAAf39/ACUAAABYAAAAAAAAAAAAAAAAAAAAAAAAAAAAAAAAAAAAAAAAAAAAAAAAAAAAAAAAAAAAAAA/AAAAAAAAAKCGAQAAAAAAAAAAAAAAAAAMAAAAAQAAAAAAAAAAAAAAAAAAAB8AAABUAAAAAAAABQAAAAEAAAAAAAAAAAAAAAAAAAAAAAAAAAAAAAAAAAAAAAAAAAAAAAJ/f38AAAAAA8zMzADAwP8Af39/AAAAAAAAAAAAAAAAAAAAAAAAAAAAIQAAABgAAAAUAAAAwAMAAN8JAACwJAAAihUAABAAAAAmAAAACAAAAD0gAAAAAAAA"/>
               </a:ext>
             </a:extLst>
           </p:cNvSpPr>
@@ -4855,7 +4863,7 @@
             <a:spLocks noGrp="1" noChangeArrowheads="1"/>
             <a:extLst>
               <a:ext uri="smNativeData">
-                <pr:smNativeData xmlns:pr="smNativeData" xmlns="smNativeData" val="SMDATA_15_q5OGZBMAAAAlAAAAZAAAAA0AAAAAAAAAAAAAAAAAAAAAAAAAAAAAAAAAAAAAAAAAAAEAAABQAAAAAAAAAAAA4D8AAAAAAADgPwAAAAAAAOA/AAAAAAAA4D8AAAAAAADgPwAAAAAAAOA/AAAAAAAA4D8AAAAAAADgPwAAAAAAAOA/AAAAAAAA4D8CAAAAjAAAAAAAAAAAAAAARHLEDP///wgAAAAAAAAAAAAAAAAAAAAAAAAAAAAAAAAAAAAAZAAAAAEAAABAAAAAAAAAAAAAAAAAAAAAAAAAAAAAAAAAAAAAAAAAAAAAAAAAAAAAAAAAAAAAAAAAAAAAAAAAAAAAAAAAAAAAAAAAAAAAAAAAAAAAAAAAAAAAAAAAAAAAFAAAADwAAAAAAAAAAAAAAAAAAAkUAAAAAQAAABQAAAAUAAAAFAAAAAEAAAAAAAAAZAAAAGQAAAAAAAAAZAAAAGQAAAAVAAAAYAAAAAAAAAAAAAAADwAAACADAAAAAAAAAAAAAAEAAACgMgAAVgcAAKr4//8BAAAAf39/AAEAAABkAAAAAAAAABQAAABAHwAAAAAAACYAAAAAAAAAwOD//wAAAAAmAAAAZAAAABYAAABMAAAAAAAAAAAAAAAEAAAAAAAAAAEAAADn5uYKAAAAACgAAAAoAAAAZAAAAGQAAAAAAAAAzMzMAAAAAABQAAAAUAAAAGQAAABkAAAAAAAAABcAAAAUAAAAAAAAAAAAAAD/fwAA/38AAAAAAAAJAAAABAAAAAAAAAAeAAAAaAAAAAAAAAAAAAAAAAAAAAAAAAAAAAAAECcAABAnAAAAAAAAAAAAAAAAAAAAAAAAAAAAAAAAAAAAAAAAAAAAABQAAAAAAAAAwMD/AAAAAABkAAAAMgAAAAAAAABkAAAAAAAAAH9/fwAKAAAAIgAAABgAAAAAAAAAAAAAAAAAAAAAAAAAAAAAAAAAAAAkAAAAJAAAAAAAAAAHAAAAAAAAAAAAAAAAAAAAAAAAAAAAAAAAAAAAf39/ACUAAABYAAAAAAAAAAAAAAAAAAAAAAAAAAAAAAAAAAAAAAAAAAAAAAAAAAAAAAAAAAAAAAA/AAAAAAAAAKCGAQAAAAAAAAAAAAAAAAAMAAAAAQAAAAAAAAAAAAAAAAAAAB8AAABUAAAAAAAABQAAAAEAAAAAAAAAAAAAAAAAAAAAAAAAAAAAAAAAAAAAAAAAAAAAAAJ/f38AAAAAA8zMzADAwP8Af39/AAAAAAAAAAAAAAAAAAAAAAAAAAAAIQAAABgAAAAUAAAAViYAAN8JAABGRwAAViIAABAAAAAmAAAACAAAAD0gAAAAAAAA"/>
+                <pr:smNativeData xmlns="smNativeData" xmlns:pr="smNativeData" xmlns:p15="http://schemas.microsoft.com/office/powerpoint/2012/main" xmlns:p14="http://schemas.microsoft.com/office/powerpoint/2010/main" xmlns:mc="http://schemas.openxmlformats.org/markup-compatibility/2006" val="SMDATA_15_q5OGZBMAAAAlAAAAZAAAAA0AAAAAAAAAAAAAAAAAAAAAAAAAAAAAAAAAAAAAAAAAAAEAAABQAAAAAAAAAAAA4D8AAAAAAADgPwAAAAAAAOA/AAAAAAAA4D8AAAAAAADgPwAAAAAAAOA/AAAAAAAA4D8AAAAAAADgPwAAAAAAAOA/AAAAAAAA4D8CAAAAjAAAAAAAAAAAAAAARHLEDP///wgAAAAAAAAAAAAAAAAAAAAAAAAAAAAAAAAAAAAAZAAAAAEAAABAAAAAAAAAAAAAAAAAAAAAAAAAAAAAAAAAAAAAAAAAAAAAAAAAAAAAAAAAAAAAAAAAAAAAAAAAAAAAAAAAAAAAAAAAAAAAAAAAAAAAAAAAAAAAAAAAAAAAFAAAADwAAAAAAAAAAAAAAAAAAAkUAAAAAQAAABQAAAAUAAAAFAAAAAEAAAAAAAAAZAAAAGQAAAAAAAAAZAAAAGQAAAAVAAAAYAAAAAAAAAAAAAAADwAAACADAAAAAAAAAAAAAAEAAACgMgAAVgcAAKr4//8BAAAAf39/AAEAAABkAAAAAAAAABQAAABAHwAAAAAAACYAAAAAAAAAwOD//wAAAAAmAAAAZAAAABYAAABMAAAAAAAAAAAAAAAEAAAAAAAAAAEAAADn5uYKAAAAACgAAAAoAAAAZAAAAGQAAAAAAAAAzMzMAAAAAABQAAAAUAAAAGQAAABkAAAAAAAAABcAAAAUAAAAAAAAAAAAAAD/fwAA/38AAAAAAAAJAAAABAAAAAAAAAAeAAAAaAAAAAAAAAAAAAAAAAAAAAAAAAAAAAAAECcAABAnAAAAAAAAAAAAAAAAAAAAAAAAAAAAAAAAAAAAAAAAAAAAABQAAAAAAAAAwMD/AAAAAABkAAAAMgAAAAAAAABkAAAAAAAAAH9/fwAKAAAAIgAAABgAAAAAAAAAAAAAAAAAAAAAAAAAAAAAAAAAAAAkAAAAJAAAAAAAAAAHAAAAAAAAAAAAAAAAAAAAAAAAAAAAAAAAAAAAf39/ACUAAABYAAAAAAAAAAAAAAAAAAAAAAAAAAAAAAAAAAAAAAAAAAAAAAAAAAAAAAAAAAAAAAA/AAAAAAAAAKCGAQAAAAAAAAAAAAAAAAAMAAAAAQAAAAAAAAAAAAAAAAAAAB8AAABUAAAAAAAABQAAAAEAAAAAAAAAAAAAAAAAAAAAAAAAAAAAAAAAAAAAAAAAAAAAAAJ/f38AAAAAA8zMzADAwP8Af39/AAAAAAAAAAAAAAAAAAAAAAAAAAAAIQAAABgAAAAUAAAAViYAAN8JAABGRwAAViIAABAAAAAmAAAACAAAAD0gAAAAAAAA"/>
               </a:ext>
             </a:extLst>
           </p:cNvSpPr>
@@ -4891,7 +4899,7 @@
             <a:spLocks noGrp="1" noChangeArrowheads="1"/>
             <a:extLst>
               <a:ext uri="smNativeData">
-                <pr:smNativeData xmlns:pr="smNativeData" xmlns="smNativeData" val="SMDATA_15_q5OGZBMAAAAlAAAAZAAAAA0AAAAAAAAAAAAAAAAAAAAAAAAAAAAAAAAAAAAAAAAAAAEAAABQAAAAAAAAAAAA4D8AAAAAAADgPwAAAAAAAOA/AAAAAAAA4D8AAAAAAADgPwAAAAAAAOA/AAAAAAAA4D8AAAAAAADgPwAAAAAAAOA/AAAAAAAA4D8CAAAAjAAAAAAAAAAAAAAARHLEDP///wgAAAAAAAAAAAAAAAAAAAAAAAAAAAAAAAAAAAAAZAAAAAEAAABAAAAAAAAAAAAAAAAAAAAAAAAAAAAAAAAAAAAAAAAAAAAAAAAAAAAAAAAAAAAAAAAAAAAAAAAAAAAAAAAAAAAAAAAAAAAAAAAAAAAAAAAAAAAAAAAAAAAAFAAAADwAAAAAAAAAAAAAAAAAAAkUAAAAAQAAABQAAAAUAAAAFAAAAAEAAAAAAAAAZAAAAGQAAAAAAAAAZAAAAGQAAAAVAAAAYAAAAAAAAAAAAAAADwAAACADAAAAAAAAAAAAAAEAAACgMgAAVgcAAKr4//8BAAAAf39/AAEAAABkAAAAAAAAABQAAABAHwAAAAAAACYAAAAAAAAAwOD//wAAAAAmAAAAZAAAABYAAABMAAAAAAAAAAAAAAAEAAAAAAAAAAEAAADn5uYKAAAAACgAAAAoAAAAZAAAAGQAAAAAAAAAzMzMAAAAAABQAAAAUAAAAGQAAABkAAAAAAAAABcAAAAUAAAAAAAAAAAAAAD/fwAA/38AAAAAAAAJAAAABAAAAAAAAAAeAAAAaAAAAAAAAAAAAAAAAAAAAAAAAAAAAAAAECcAABAnAAAAAAAAAAAAAAAAAAAAAAAAAAAAAAAAAAAAAAAAAAAAABQAAAAAAAAAwMD/AAAAAABkAAAAMgAAAAAAAABkAAAAAAAAAH9/fwAKAAAAIgAAABgAAAAAAAAAAAAAAAAAAAAAAAAAAAAAAAAAAAAkAAAAJAAAAAAAAAAHAAAAAAAAAAAAAAAAAAAAAAAAAAAAAAAAAAAAf39/ACUAAABYAAAAAAAAAAAAAAAAAAAAAAAAAAAAAAAAAAAAAAAAAAAAAAAAAAAAAAAAAAAAAAA/AAAAAAAAAKCGAQAAAAAAAAAAAAAAAAAMAAAAAQAAAAAAAAAAAAAAAAAAAB8AAABUAAAAAAAABQAAAAEAAAAAAAAAAAAAAAAAAAAAAAAAAAAAAAAAAAAAAAAAAAAAAAJ/f38AAAAAA8zMzADAwP8Af39/AAAAAAAAAAAAAAAAAAAAAAAAAAAAIQAAABgAAAAUAAAAwAMAAKcWAACwJAAAUiIAABAAAAAmAAAACAAAAD0gAAAAAAAA"/>
+                <pr:smNativeData xmlns="smNativeData" xmlns:pr="smNativeData" xmlns:p15="http://schemas.microsoft.com/office/powerpoint/2012/main" xmlns:p14="http://schemas.microsoft.com/office/powerpoint/2010/main" xmlns:mc="http://schemas.openxmlformats.org/markup-compatibility/2006" val="SMDATA_15_q5OGZBMAAAAlAAAAZAAAAA0AAAAAAAAAAAAAAAAAAAAAAAAAAAAAAAAAAAAAAAAAAAEAAABQAAAAAAAAAAAA4D8AAAAAAADgPwAAAAAAAOA/AAAAAAAA4D8AAAAAAADgPwAAAAAAAOA/AAAAAAAA4D8AAAAAAADgPwAAAAAAAOA/AAAAAAAA4D8CAAAAjAAAAAAAAAAAAAAARHLEDP///wgAAAAAAAAAAAAAAAAAAAAAAAAAAAAAAAAAAAAAZAAAAAEAAABAAAAAAAAAAAAAAAAAAAAAAAAAAAAAAAAAAAAAAAAAAAAAAAAAAAAAAAAAAAAAAAAAAAAAAAAAAAAAAAAAAAAAAAAAAAAAAAAAAAAAAAAAAAAAAAAAAAAAFAAAADwAAAAAAAAAAAAAAAAAAAkUAAAAAQAAABQAAAAUAAAAFAAAAAEAAAAAAAAAZAAAAGQAAAAAAAAAZAAAAGQAAAAVAAAAYAAAAAAAAAAAAAAADwAAACADAAAAAAAAAAAAAAEAAACgMgAAVgcAAKr4//8BAAAAf39/AAEAAABkAAAAAAAAABQAAABAHwAAAAAAACYAAAAAAAAAwOD//wAAAAAmAAAAZAAAABYAAABMAAAAAAAAAAAAAAAEAAAAAAAAAAEAAADn5uYKAAAAACgAAAAoAAAAZAAAAGQAAAAAAAAAzMzMAAAAAABQAAAAUAAAAGQAAABkAAAAAAAAABcAAAAUAAAAAAAAAAAAAAD/fwAA/38AAAAAAAAJAAAABAAAAAAAAAAeAAAAaAAAAAAAAAAAAAAAAAAAAAAAAAAAAAAAECcAABAnAAAAAAAAAAAAAAAAAAAAAAAAAAAAAAAAAAAAAAAAAAAAABQAAAAAAAAAwMD/AAAAAABkAAAAMgAAAAAAAABkAAAAAAAAAH9/fwAKAAAAIgAAABgAAAAAAAAAAAAAAAAAAAAAAAAAAAAAAAAAAAAkAAAAJAAAAAAAAAAHAAAAAAAAAAAAAAAAAAAAAAAAAAAAAAAAAAAAf39/ACUAAABYAAAAAAAAAAAAAAAAAAAAAAAAAAAAAAAAAAAAAAAAAAAAAAAAAAAAAAAAAAAAAAA/AAAAAAAAAKCGAQAAAAAAAAAAAAAAAAAMAAAAAQAAAAAAAAAAAAAAAAAAAB8AAABUAAAAAAAABQAAAAEAAAAAAAAAAAAAAAAAAAAAAAAAAAAAAAAAAAAAAAAAAAAAAAJ/f38AAAAAA8zMzADAwP8Af39/AAAAAAAAAAAAAAAAAAAAAAAAAAAAIQAAABgAAAAUAAAAwAMAAKcWAACwJAAAUiIAABAAAAAmAAAACAAAAD0gAAAAAAAA"/>
               </a:ext>
             </a:extLst>
           </p:cNvSpPr>
@@ -4929,7 +4937,7 @@
 </file>
 
 <file path=ppt/slideLayouts/slideLayout44.xml><?xml version="1.0" encoding="utf-8"?>
-<p:sldLayout xmlns:p="http://schemas.openxmlformats.org/presentationml/2006/main" xmlns:mc="http://schemas.openxmlformats.org/markup-compatibility/2006" xmlns:p14="http://schemas.microsoft.com/office/powerpoint/2010/main" xmlns:p15="http://schemas.microsoft.com/office/powerpoint/2012/main" xmlns:r="http://schemas.openxmlformats.org/officeDocument/2006/relationships" xmlns:a="http://schemas.openxmlformats.org/drawingml/2006/main" type="objAndTwoObj" preserve="1">
+<p:sldLayout xmlns:a="http://schemas.openxmlformats.org/drawingml/2006/main" xmlns:r="http://schemas.openxmlformats.org/officeDocument/2006/relationships" xmlns:p="http://schemas.openxmlformats.org/presentationml/2006/main" type="objAndTwoObj" preserve="1">
   <p:cSld name="Title Content and 2 Content">
     <p:spTree>
       <p:nvGrpSpPr>
@@ -4952,7 +4960,7 @@
             <a:spLocks noGrp="1" noChangeArrowheads="1"/>
             <a:extLst>
               <a:ext uri="smNativeData">
-                <pr:smNativeData xmlns:pr="smNativeData" xmlns="smNativeData" val="SMDATA_15_q5OGZBMAAAAlAAAAZAAAAA0AAAAAAAAAAAAAAAAAAAAAAAAAAAAAAAABAAAAAAAAAAEAAABQAAAAAAAAAAAA4D8AAAAAAADgPwAAAAAAAOA/AAAAAAAA4D8AAAAAAADgPwAAAAAAAOA/AAAAAAAA4D8AAAAAAADgPwAAAAAAAOA/AAAAAAAA4D8CAAAAjAAAAAAAAAAAAAAARHLEDP///wgAAAAAAAAAAAAAAAAAAAAAAAAAAAAAAAAAAAAAZAAAAAEAAABAAAAAAAAAAAAAAAAAAAAAAAAAAAAAAAAAAAAAAAAAAAAAAAAAAAAAAAAAAAAAAAAAAAAAAAAAAAAAAAAAAAAAAAAAAAAAAAAAAAAAAAAAAAAAAAAAAAAAFAAAADwAAAAAAAAAAAAAAAAAAAkUAAAAAQAAABQAAAAUAAAAFAAAAAEAAAAAAAAAZAAAAGQAAAAAAAAAZAAAAGQAAAAVAAAAYAAAAAAAAAAAAAAADwAAACADAAAAAAAAAAAAAAEAAACgMgAAVgcAAKr4//8BAAAAf39/AAEAAABkAAAAAAAAABQAAABAHwAAAAAAACYAAAAAAAAAwOD//wAAAAAmAAAAZAAAABYAAABMAAAAAAAAAAAAAAAEAAAAAAAAAAEAAADn5uYKAAAAACgAAAAoAAAAZAAAAGQAAAAAAAAAzMzMAAAAAABQAAAAUAAAAGQAAABkAAAAAAAAABcAAAAUAAAAAAAAAAAAAAD/fwAA/38AAAAAAAAJAAAABAAAAAAAAAAeAAAAaAAAAAAAAAAAAAAAAAAAAAAAAAAAAAAAECcAABAnAAAAAAAAAAAAAAAAAAAAAAAAAAAAAAAAAAAAAAAAAAAAABQAAAAAAAAAwMD/AAAAAABkAAAAMgAAAAAAAABkAAAAAAAAAH9/fwAKAAAAIgAAABgAAAAAAAAAAAAAAAAAAAAAAAAAAAAAAAAAAAAkAAAAJAAAAAAAAAAHAAAAAAAAAAAAAAAAAAAAAAAAAAAAAAAAAAAAf39/ACUAAABYAAAAAAAAAAAAAAAAAAAAAAAAAAAAAAAAAAAAAAAAAAAAAAAAAAAAAAAAAAAAAAA/AAAAAAAAAKCGAQAAAAAAAAAAAAAAAAAMAAAAAQAAAAAAAAAAAAAAAAAAAB8AAABUAAAAAAAABQAAAAEAAAAAAAAAAAAAAAAAAAAAAAAAAAAAAAAAAAAAAAAAAAAAAAJ/f38AAAAAA8zMzADAwP8Af39/AAAAAAAAAAAAAAAAAAAAAAAAAAAAIQAAABgAAAAUAAAAwAMAAK8BAAA/RwAAuggAABAAAAAmAAAACAAAADwgAAAAAAAA"/>
+                <pr:smNativeData xmlns="smNativeData" xmlns:pr="smNativeData" xmlns:p15="http://schemas.microsoft.com/office/powerpoint/2012/main" xmlns:p14="http://schemas.microsoft.com/office/powerpoint/2010/main" xmlns:mc="http://schemas.openxmlformats.org/markup-compatibility/2006" val="SMDATA_15_q5OGZBMAAAAlAAAAZAAAAA0AAAAAAAAAAAAAAAAAAAAAAAAAAAAAAAABAAAAAAAAAAEAAABQAAAAAAAAAAAA4D8AAAAAAADgPwAAAAAAAOA/AAAAAAAA4D8AAAAAAADgPwAAAAAAAOA/AAAAAAAA4D8AAAAAAADgPwAAAAAAAOA/AAAAAAAA4D8CAAAAjAAAAAAAAAAAAAAARHLEDP///wgAAAAAAAAAAAAAAAAAAAAAAAAAAAAAAAAAAAAAZAAAAAEAAABAAAAAAAAAAAAAAAAAAAAAAAAAAAAAAAAAAAAAAAAAAAAAAAAAAAAAAAAAAAAAAAAAAAAAAAAAAAAAAAAAAAAAAAAAAAAAAAAAAAAAAAAAAAAAAAAAAAAAFAAAADwAAAAAAAAAAAAAAAAAAAkUAAAAAQAAABQAAAAUAAAAFAAAAAEAAAAAAAAAZAAAAGQAAAAAAAAAZAAAAGQAAAAVAAAAYAAAAAAAAAAAAAAADwAAACADAAAAAAAAAAAAAAEAAACgMgAAVgcAAKr4//8BAAAAf39/AAEAAABkAAAAAAAAABQAAABAHwAAAAAAACYAAAAAAAAAwOD//wAAAAAmAAAAZAAAABYAAABMAAAAAAAAAAAAAAAEAAAAAAAAAAEAAADn5uYKAAAAACgAAAAoAAAAZAAAAGQAAAAAAAAAzMzMAAAAAABQAAAAUAAAAGQAAABkAAAAAAAAABcAAAAUAAAAAAAAAAAAAAD/fwAA/38AAAAAAAAJAAAABAAAAAAAAAAeAAAAaAAAAAAAAAAAAAAAAAAAAAAAAAAAAAAAECcAABAnAAAAAAAAAAAAAAAAAAAAAAAAAAAAAAAAAAAAAAAAAAAAABQAAAAAAAAAwMD/AAAAAABkAAAAMgAAAAAAAABkAAAAAAAAAH9/fwAKAAAAIgAAABgAAAAAAAAAAAAAAAAAAAAAAAAAAAAAAAAAAAAkAAAAJAAAAAAAAAAHAAAAAAAAAAAAAAAAAAAAAAAAAAAAAAAAAAAAf39/ACUAAABYAAAAAAAAAAAAAAAAAAAAAAAAAAAAAAAAAAAAAAAAAAAAAAAAAAAAAAAAAAAAAAA/AAAAAAAAAKCGAQAAAAAAAAAAAAAAAAAMAAAAAQAAAAAAAAAAAAAAAAAAAB8AAABUAAAAAAAABQAAAAEAAAAAAAAAAAAAAAAAAAAAAAAAAAAAAAAAAAAAAAAAAAAAAAJ/f38AAAAAA8zMzADAwP8Af39/AAAAAAAAAAAAAAAAAAAAAAAAAAAAIQAAABgAAAAUAAAAwAMAAK8BAAA/RwAAuggAABAAAAAmAAAACAAAADwgAAAAAAAA"/>
               </a:ext>
             </a:extLst>
           </p:cNvSpPr>
@@ -4983,7 +4991,7 @@
             <a:spLocks noGrp="1" noChangeArrowheads="1"/>
             <a:extLst>
               <a:ext uri="smNativeData">
-                <pr:smNativeData xmlns:pr="smNativeData" xmlns="smNativeData" val="SMDATA_15_q5OGZBMAAAAlAAAAZAAAAA0AAAAAAAAAAAAAAAAAAAAAAAAAAAAAAAAAAAAAAAAAAAEAAABQAAAAAAAAAAAA4D8AAAAAAADgPwAAAAAAAOA/AAAAAAAA4D8AAAAAAADgPwAAAAAAAOA/AAAAAAAA4D8AAAAAAADgPwAAAAAAAOA/AAAAAAAA4D8CAAAAjAAAAAAAAAAAAAAARHLEDP///wgAAAAAAAAAAAAAAAAAAAAAAAAAAAAAAAAAAAAAZAAAAAEAAABAAAAAAAAAAAAAAAAAAAAAAAAAAAAAAAAAAAAAAAAAAAAAAAAAAAAAAAAAAAAAAAAAAAAAAAAAAAAAAAAAAAAAAAAAAAAAAAAAAAAAAAAAAAAAAAAAAAAAFAAAADwAAAAAAAAAAAAAAAAAAAkUAAAAAQAAABQAAAAUAAAAFAAAAAEAAAAAAAAAZAAAAGQAAAAAAAAAZAAAAGQAAAAVAAAAYAAAAAAAAAAAAAAADwAAACADAAAAAAAAAAAAAAEAAACgMgAAVgcAAKr4//8BAAAAf39/AAEAAABkAAAAAAAAABQAAABAHwAAAAAAACYAAAAAAAAAwOD//wAAAAAmAAAAZAAAABYAAABMAAAAAAAAAAAAAAAEAAAAAAAAAAEAAADn5uYKAAAAACgAAAAoAAAAZAAAAGQAAAAAAAAAzMzMAAAAAABQAAAAUAAAAGQAAABkAAAAAAAAABcAAAAUAAAAAAAAAAAAAAD/fwAA/38AAAAAAAAJAAAABAAAAAAAAAAeAAAAaAAAAAAAAAAAAAAAAAAAAAAAAAAAAAAAECcAABAnAAAAAAAAAAAAAAAAAAAAAAAAAAAAAAAAAAAAAAAAAAAAABQAAAAAAAAAwMD/AAAAAABkAAAAMgAAAAAAAABkAAAAAAAAAH9/fwAKAAAAIgAAABgAAAAAAAAAAAAAAAAAAAAAAAAAAAAAAAAAAAAkAAAAJAAAAAAAAAAHAAAAAAAAAAAAAAAAAAAAAAAAAAAAAAAAAAAAf39/ACUAAABYAAAAAAAAAAAAAAAAAAAAAAAAAAAAAAAAAAAAAAAAAAAAAAAAAAAAAAAAAAAAAAA/AAAAAAAAAKCGAQAAAAAAAAAAAAAAAAAMAAAAAQAAAAAAAAAAAAAAAAAAAB8AAABUAAAAAAAABQAAAAEAAAAAAAAAAAAAAAAAAAAAAAAAAAAAAAAAAAAAAAAAAAAAAAJ/f38AAAAAA8zMzADAwP8Af39/AAAAAAAAAAAAAAAAAAAAAAAAAAAAIQAAABgAAAAUAAAAwAMAAN8JAACwJAAAViIAABAAAAAmAAAACAAAAD0gAAAAAAAA"/>
+                <pr:smNativeData xmlns="smNativeData" xmlns:pr="smNativeData" xmlns:p15="http://schemas.microsoft.com/office/powerpoint/2012/main" xmlns:p14="http://schemas.microsoft.com/office/powerpoint/2010/main" xmlns:mc="http://schemas.openxmlformats.org/markup-compatibility/2006" val="SMDATA_15_q5OGZBMAAAAlAAAAZAAAAA0AAAAAAAAAAAAAAAAAAAAAAAAAAAAAAAAAAAAAAAAAAAEAAABQAAAAAAAAAAAA4D8AAAAAAADgPwAAAAAAAOA/AAAAAAAA4D8AAAAAAADgPwAAAAAAAOA/AAAAAAAA4D8AAAAAAADgPwAAAAAAAOA/AAAAAAAA4D8CAAAAjAAAAAAAAAAAAAAARHLEDP///wgAAAAAAAAAAAAAAAAAAAAAAAAAAAAAAAAAAAAAZAAAAAEAAABAAAAAAAAAAAAAAAAAAAAAAAAAAAAAAAAAAAAAAAAAAAAAAAAAAAAAAAAAAAAAAAAAAAAAAAAAAAAAAAAAAAAAAAAAAAAAAAAAAAAAAAAAAAAAAAAAAAAAFAAAADwAAAAAAAAAAAAAAAAAAAkUAAAAAQAAABQAAAAUAAAAFAAAAAEAAAAAAAAAZAAAAGQAAAAAAAAAZAAAAGQAAAAVAAAAYAAAAAAAAAAAAAAADwAAACADAAAAAAAAAAAAAAEAAACgMgAAVgcAAKr4//8BAAAAf39/AAEAAABkAAAAAAAAABQAAABAHwAAAAAAACYAAAAAAAAAwOD//wAAAAAmAAAAZAAAABYAAABMAAAAAAAAAAAAAAAEAAAAAAAAAAEAAADn5uYKAAAAACgAAAAoAAAAZAAAAGQAAAAAAAAAzMzMAAAAAABQAAAAUAAAAGQAAABkAAAAAAAAABcAAAAUAAAAAAAAAAAAAAD/fwAA/38AAAAAAAAJAAAABAAAAAAAAAAeAAAAaAAAAAAAAAAAAAAAAAAAAAAAAAAAAAAAECcAABAnAAAAAAAAAAAAAAAAAAAAAAAAAAAAAAAAAAAAAAAAAAAAABQAAAAAAAAAwMD/AAAAAABkAAAAMgAAAAAAAABkAAAAAAAAAH9/fwAKAAAAIgAAABgAAAAAAAAAAAAAAAAAAAAAAAAAAAAAAAAAAAAkAAAAJAAAAAAAAAAHAAAAAAAAAAAAAAAAAAAAAAAAAAAAAAAAAAAAf39/ACUAAABYAAAAAAAAAAAAAAAAAAAAAAAAAAAAAAAAAAAAAAAAAAAAAAAAAAAAAAAAAAAAAAA/AAAAAAAAAKCGAQAAAAAAAAAAAAAAAAAMAAAAAQAAAAAAAAAAAAAAAAAAAB8AAABUAAAAAAAABQAAAAEAAAAAAAAAAAAAAAAAAAAAAAAAAAAAAAAAAAAAAAAAAAAAAAJ/f38AAAAAA8zMzADAwP8Af39/AAAAAAAAAAAAAAAAAAAAAAAAAAAAIQAAABgAAAAUAAAAwAMAAN8JAACwJAAAViIAABAAAAAmAAAACAAAAD0gAAAAAAAA"/>
               </a:ext>
             </a:extLst>
           </p:cNvSpPr>
@@ -5019,7 +5027,7 @@
             <a:spLocks noGrp="1" noChangeArrowheads="1"/>
             <a:extLst>
               <a:ext uri="smNativeData">
-                <pr:smNativeData xmlns:pr="smNativeData" xmlns="smNativeData" val="SMDATA_15_q5OGZBMAAAAlAAAAZAAAAA0AAAAAAAAAAAAAAAAAAAAAAAAAAAAAAAAAAAAAAAAAAAEAAABQAAAAAAAAAAAA4D8AAAAAAADgPwAAAAAAAOA/AAAAAAAA4D8AAAAAAADgPwAAAAAAAOA/AAAAAAAA4D8AAAAAAADgPwAAAAAAAOA/AAAAAAAA4D8CAAAAjAAAAAAAAAAAAAAARHLEDP///wgAAAAAAAAAAAAAAAAAAAAAAAAAAAAAAAAAAAAAZAAAAAEAAABAAAAAAAAAAAAAAAAAAAAAAAAAAAAAAAAAAAAAAAAAAAAAAAAAAAAAAAAAAAAAAAAAAAAAAAAAAAAAAAAAAAAAAAAAAAAAAAAAAAAAAAAAAAAAAAAAAAAAFAAAADwAAAAAAAAAAAAAAAAAAAkUAAAAAQAAABQAAAAUAAAAFAAAAAEAAAAAAAAAZAAAAGQAAAAAAAAAZAAAAGQAAAAVAAAAYAAAAAAAAAAAAAAADwAAACADAAAAAAAAAAAAAAEAAACgMgAAVgcAAKr4//8BAAAAf39/AAEAAABkAAAAAAAAABQAAABAHwAAAAAAACYAAAAAAAAAwOD//wAAAAAmAAAAZAAAABYAAABMAAAAAAAAAAAAAAAEAAAAAAAAAAEAAADn5uYKAAAAACgAAAAoAAAAZAAAAGQAAAAAAAAAzMzMAAAAAABQAAAAUAAAAGQAAABkAAAAAAAAABcAAAAUAAAAAAAAAAAAAAD/fwAA/38AAAAAAAAJAAAABAAAAAAAAAAeAAAAaAAAAAAAAAAAAAAAAAAAAAAAAAAAAAAAECcAABAnAAAAAAAAAAAAAAAAAAAAAAAAAAAAAAAAAAAAAAAAAAAAABQAAAAAAAAAwMD/AAAAAABkAAAAMgAAAAAAAABkAAAAAAAAAH9/fwAKAAAAIgAAABgAAAAAAAAAAAAAAAAAAAAAAAAAAAAAAAAAAAAkAAAAJAAAAAAAAAAHAAAAAAAAAAAAAAAAAAAAAAAAAAAAAAAAAAAAf39/ACUAAABYAAAAAAAAAAAAAAAAAAAAAAAAAAAAAAAAAAAAAAAAAAAAAAAAAAAAAAAAAAAAAAA/AAAAAAAAAKCGAQAAAAAAAAAAAAAAAAAMAAAAAQAAAAAAAAAAAAAAAAAAAB8AAABUAAAAAAAABQAAAAEAAAAAAAAAAAAAAAAAAAAAAAAAAAAAAAAAAAAAAAAAAAAAAAJ/f38AAAAAA8zMzADAwP8Af39/AAAAAAAAAAAAAAAAAAAAAAAAAAAAIQAAABgAAAAUAAAAViYAAN8JAABGRwAAihUAABAAAAAmAAAACAAAAD0gAAAAAAAA"/>
+                <pr:smNativeData xmlns="smNativeData" xmlns:pr="smNativeData" xmlns:p15="http://schemas.microsoft.com/office/powerpoint/2012/main" xmlns:p14="http://schemas.microsoft.com/office/powerpoint/2010/main" xmlns:mc="http://schemas.openxmlformats.org/markup-compatibility/2006" val="SMDATA_15_q5OGZBMAAAAlAAAAZAAAAA0AAAAAAAAAAAAAAAAAAAAAAAAAAAAAAAAAAAAAAAAAAAEAAABQAAAAAAAAAAAA4D8AAAAAAADgPwAAAAAAAOA/AAAAAAAA4D8AAAAAAADgPwAAAAAAAOA/AAAAAAAA4D8AAAAAAADgPwAAAAAAAOA/AAAAAAAA4D8CAAAAjAAAAAAAAAAAAAAARHLEDP///wgAAAAAAAAAAAAAAAAAAAAAAAAAAAAAAAAAAAAAZAAAAAEAAABAAAAAAAAAAAAAAAAAAAAAAAAAAAAAAAAAAAAAAAAAAAAAAAAAAAAAAAAAAAAAAAAAAAAAAAAAAAAAAAAAAAAAAAAAAAAAAAAAAAAAAAAAAAAAAAAAAAAAFAAAADwAAAAAAAAAAAAAAAAAAAkUAAAAAQAAABQAAAAUAAAAFAAAAAEAAAAAAAAAZAAAAGQAAAAAAAAAZAAAAGQAAAAVAAAAYAAAAAAAAAAAAAAADwAAACADAAAAAAAAAAAAAAEAAACgMgAAVgcAAKr4//8BAAAAf39/AAEAAABkAAAAAAAAABQAAABAHwAAAAAAACYAAAAAAAAAwOD//wAAAAAmAAAAZAAAABYAAABMAAAAAAAAAAAAAAAEAAAAAAAAAAEAAADn5uYKAAAAACgAAAAoAAAAZAAAAGQAAAAAAAAAzMzMAAAAAABQAAAAUAAAAGQAAABkAAAAAAAAABcAAAAUAAAAAAAAAAAAAAD/fwAA/38AAAAAAAAJAAAABAAAAAAAAAAeAAAAaAAAAAAAAAAAAAAAAAAAAAAAAAAAAAAAECcAABAnAAAAAAAAAAAAAAAAAAAAAAAAAAAAAAAAAAAAAAAAAAAAABQAAAAAAAAAwMD/AAAAAABkAAAAMgAAAAAAAABkAAAAAAAAAH9/fwAKAAAAIgAAABgAAAAAAAAAAAAAAAAAAAAAAAAAAAAAAAAAAAAkAAAAJAAAAAAAAAAHAAAAAAAAAAAAAAAAAAAAAAAAAAAAAAAAAAAAf39/ACUAAABYAAAAAAAAAAAAAAAAAAAAAAAAAAAAAAAAAAAAAAAAAAAAAAAAAAAAAAAAAAAAAAA/AAAAAAAAAKCGAQAAAAAAAAAAAAAAAAAMAAAAAQAAAAAAAAAAAAAAAAAAAB8AAABUAAAAAAAABQAAAAEAAAAAAAAAAAAAAAAAAAAAAAAAAAAAAAAAAAAAAAAAAAAAAAJ/f38AAAAAA8zMzADAwP8Af39/AAAAAAAAAAAAAAAAAAAAAAAAAAAAIQAAABgAAAAUAAAAViYAAN8JAABGRwAAihUAABAAAAAmAAAACAAAAD0gAAAAAAAA"/>
               </a:ext>
             </a:extLst>
           </p:cNvSpPr>
@@ -5055,7 +5063,7 @@
             <a:spLocks noGrp="1" noChangeArrowheads="1"/>
             <a:extLst>
               <a:ext uri="smNativeData">
-                <pr:smNativeData xmlns:pr="smNativeData" xmlns="smNativeData" val="SMDATA_15_q5OGZBMAAAAlAAAAZAAAAA0AAAAAAAAAAAAAAAAAAAAAAAAAAAAAAAAAAAAAAAAAAAEAAABQAAAAAAAAAAAA4D8AAAAAAADgPwAAAAAAAOA/AAAAAAAA4D8AAAAAAADgPwAAAAAAAOA/AAAAAAAA4D8AAAAAAADgPwAAAAAAAOA/AAAAAAAA4D8CAAAAjAAAAAAAAAAAAAAARHLEDP///wgAAAAAAAAAAAAAAAAAAAAAAAAAAAAAAAAAAAAAZAAAAAEAAABAAAAAAAAAAAAAAAAAAAAAAAAAAAAAAAAAAAAAAAAAAAAAAAAAAAAAAAAAAAAAAAAAAAAAAAAAAAAAAAAAAAAAAAAAAAAAAAAAAAAAAAAAAAAAAAAAAAAAFAAAADwAAAAAAAAAAAAAAAAAAAkUAAAAAQAAABQAAAAUAAAAFAAAAAEAAAAAAAAAZAAAAGQAAAAAAAAAZAAAAGQAAAAVAAAAYAAAAAAAAAAAAAAADwAAACADAAAAAAAAAAAAAAEAAACgMgAAVgcAAKr4//8BAAAAf39/AAEAAABkAAAAAAAAABQAAABAHwAAAAAAACYAAAAAAAAAwOD//wAAAAAmAAAAZAAAABYAAABMAAAAAAAAAAAAAAAEAAAAAAAAAAEAAADn5uYKAAAAACgAAAAoAAAAZAAAAGQAAAAAAAAAzMzMAAAAAABQAAAAUAAAAGQAAABkAAAAAAAAABcAAAAUAAAAAAAAAAAAAAD/fwAA/38AAAAAAAAJAAAABAAAAAAAAAAeAAAAaAAAAAAAAAAAAAAAAAAAAAAAAAAAAAAAECcAABAnAAAAAAAAAAAAAAAAAAAAAAAAAAAAAAAAAAAAAAAAAAAAABQAAAAAAAAAwMD/AAAAAABkAAAAMgAAAAAAAABkAAAAAAAAAH9/fwAKAAAAIgAAABgAAAAAAAAAAAAAAAAAAAAAAAAAAAAAAAAAAAAkAAAAJAAAAAAAAAAHAAAAAAAAAAAAAAAAAAAAAAAAAAAAAAAAAAAAf39/ACUAAABYAAAAAAAAAAAAAAAAAAAAAAAAAAAAAAAAAAAAAAAAAAAAAAAAAAAAAAAAAAAAAAA/AAAAAAAAAKCGAQAAAAAAAAAAAAAAAAAMAAAAAQAAAAAAAAAAAAAAAAAAAB8AAABUAAAAAAAABQAAAAEAAAAAAAAAAAAAAAAAAAAAAAAAAAAAAAAAAAAAAAAAAAAAAAJ/f38AAAAAA8zMzADAwP8Af39/AAAAAAAAAAAAAAAAAAAAAAAAAAAAIQAAABgAAAAUAAAAViYAAKcWAABGRwAAUiIAABAAAAAmAAAACAAAAD0gAAAAAAAA"/>
+                <pr:smNativeData xmlns="smNativeData" xmlns:pr="smNativeData" xmlns:p15="http://schemas.microsoft.com/office/powerpoint/2012/main" xmlns:p14="http://schemas.microsoft.com/office/powerpoint/2010/main" xmlns:mc="http://schemas.openxmlformats.org/markup-compatibility/2006" val="SMDATA_15_q5OGZBMAAAAlAAAAZAAAAA0AAAAAAAAAAAAAAAAAAAAAAAAAAAAAAAAAAAAAAAAAAAEAAABQAAAAAAAAAAAA4D8AAAAAAADgPwAAAAAAAOA/AAAAAAAA4D8AAAAAAADgPwAAAAAAAOA/AAAAAAAA4D8AAAAAAADgPwAAAAAAAOA/AAAAAAAA4D8CAAAAjAAAAAAAAAAAAAAARHLEDP///wgAAAAAAAAAAAAAAAAAAAAAAAAAAAAAAAAAAAAAZAAAAAEAAABAAAAAAAAAAAAAAAAAAAAAAAAAAAAAAAAAAAAAAAAAAAAAAAAAAAAAAAAAAAAAAAAAAAAAAAAAAAAAAAAAAAAAAAAAAAAAAAAAAAAAAAAAAAAAAAAAAAAAFAAAADwAAAAAAAAAAAAAAAAAAAkUAAAAAQAAABQAAAAUAAAAFAAAAAEAAAAAAAAAZAAAAGQAAAAAAAAAZAAAAGQAAAAVAAAAYAAAAAAAAAAAAAAADwAAACADAAAAAAAAAAAAAAEAAACgMgAAVgcAAKr4//8BAAAAf39/AAEAAABkAAAAAAAAABQAAABAHwAAAAAAACYAAAAAAAAAwOD//wAAAAAmAAAAZAAAABYAAABMAAAAAAAAAAAAAAAEAAAAAAAAAAEAAADn5uYKAAAAACgAAAAoAAAAZAAAAGQAAAAAAAAAzMzMAAAAAABQAAAAUAAAAGQAAABkAAAAAAAAABcAAAAUAAAAAAAAAAAAAAD/fwAA/38AAAAAAAAJAAAABAAAAAAAAAAeAAAAaAAAAAAAAAAAAAAAAAAAAAAAAAAAAAAAECcAABAnAAAAAAAAAAAAAAAAAAAAAAAAAAAAAAAAAAAAAAAAAAAAABQAAAAAAAAAwMD/AAAAAABkAAAAMgAAAAAAAABkAAAAAAAAAH9/fwAKAAAAIgAAABgAAAAAAAAAAAAAAAAAAAAAAAAAAAAAAAAAAAAkAAAAJAAAAAAAAAAHAAAAAAAAAAAAAAAAAAAAAAAAAAAAAAAAAAAAf39/ACUAAABYAAAAAAAAAAAAAAAAAAAAAAAAAAAAAAAAAAAAAAAAAAAAAAAAAAAAAAAAAAAAAAA/AAAAAAAAAKCGAQAAAAAAAAAAAAAAAAAMAAAAAQAAAAAAAAAAAAAAAAAAAB8AAABUAAAAAAAABQAAAAEAAAAAAAAAAAAAAAAAAAAAAAAAAAAAAAAAAAAAAAAAAAAAAAJ/f38AAAAAA8zMzADAwP8Af39/AAAAAAAAAAAAAAAAAAAAAAAAAAAAIQAAABgAAAAUAAAAViYAAKcWAABGRwAAUiIAABAAAAAmAAAACAAAAD0gAAAAAAAA"/>
               </a:ext>
             </a:extLst>
           </p:cNvSpPr>
@@ -5093,7 +5101,7 @@
 </file>
 
 <file path=ppt/slideLayouts/slideLayout45.xml><?xml version="1.0" encoding="utf-8"?>
-<p:sldLayout xmlns:p="http://schemas.openxmlformats.org/presentationml/2006/main" xmlns:mc="http://schemas.openxmlformats.org/markup-compatibility/2006" xmlns:p14="http://schemas.microsoft.com/office/powerpoint/2010/main" xmlns:p15="http://schemas.microsoft.com/office/powerpoint/2012/main" xmlns:r="http://schemas.openxmlformats.org/officeDocument/2006/relationships" xmlns:a="http://schemas.openxmlformats.org/drawingml/2006/main" type="twoObjOverTx" preserve="1">
+<p:sldLayout xmlns:a="http://schemas.openxmlformats.org/drawingml/2006/main" xmlns:r="http://schemas.openxmlformats.org/officeDocument/2006/relationships" xmlns:p="http://schemas.openxmlformats.org/presentationml/2006/main" type="twoObjOverTx" preserve="1">
   <p:cSld name="Title, 2 Content over Content">
     <p:spTree>
       <p:nvGrpSpPr>
@@ -5116,7 +5124,7 @@
             <a:spLocks noGrp="1" noChangeArrowheads="1"/>
             <a:extLst>
               <a:ext uri="smNativeData">
-                <pr:smNativeData xmlns:pr="smNativeData" xmlns="smNativeData" val="SMDATA_15_q5OGZBMAAAAlAAAAZAAAAA0AAAAAAAAAAAAAAAAAAAAAAAAAAAAAAAABAAAAAAAAAAEAAABQAAAAAAAAAAAA4D8AAAAAAADgPwAAAAAAAOA/AAAAAAAA4D8AAAAAAADgPwAAAAAAAOA/AAAAAAAA4D8AAAAAAADgPwAAAAAAAOA/AAAAAAAA4D8CAAAAjAAAAAAAAAAAAAAARHLEDP///wgAAAAAAAAAAAAAAAAAAAAAAAAAAAAAAAAAAAAAZAAAAAEAAABAAAAAAAAAAAAAAAAAAAAAAAAAAAAAAAAAAAAAAAAAAAAAAAAAAAAAAAAAAAAAAAAAAAAAAAAAAAAAAAAAAAAAAAAAAAAAAAAAAAAAAAAAAAAAAAAAAAAAFAAAADwAAAAAAAAAAAAAAAAAAAkUAAAAAQAAABQAAAAUAAAAFAAAAAEAAAAAAAAAZAAAAGQAAAAAAAAAZAAAAGQAAAAVAAAAYAAAAAAAAAAAAAAADwAAACADAAAAAAAAAAAAAAEAAACgMgAAVgcAAKr4//8BAAAAf39/AAEAAABkAAAAAAAAABQAAABAHwAAAAAAACYAAAAAAAAAwOD//wAAAAAmAAAAZAAAABYAAABMAAAAAAAAAAAAAAAEAAAAAAAAAAEAAADn5uYKAAAAACgAAAAoAAAAZAAAAGQAAAAAAAAAzMzMAAAAAABQAAAAUAAAAGQAAABkAAAAAAAAABcAAAAUAAAAAAAAAAAAAAD/fwAA/38AAAAAAAAJAAAABAAAAAAAAAAeAAAAaAAAAAAAAAAAAAAAAAAAAAAAAAAAAAAAECcAABAnAAAAAAAAAAAAAAAAAAAAAAAAAAAAAAAAAAAAAAAAAAAAABQAAAAAAAAAwMD/AAAAAABkAAAAMgAAAAAAAABkAAAAAAAAAH9/fwAKAAAAIgAAABgAAAAAAAAAAAAAAAAAAAAAAAAAAAAAAAAAAAAkAAAAJAAAAAAAAAAHAAAAAAAAAAAAAAAAAAAAAAAAAAAAAAAAAAAAf39/ACUAAABYAAAAAAAAAAAAAAAAAAAAAAAAAAAAAAAAAAAAAAAAAAAAAAAAAAAAAAAAAAAAAAA/AAAAAAAAAKCGAQAAAAAAAAAAAAAAAAAMAAAAAQAAAAAAAAAAAAAAAAAAAB8AAABUAAAAAAAABQAAAAEAAAAAAAAAAAAAAAAAAAAAAAAAAAAAAAAAAAAAAAAAAAAAAAJ/f38AAAAAA8zMzADAwP8Af39/AAAAAAAAAAAAAAAAAAAAAAAAAAAAIQAAABgAAAAUAAAAwAMAAK8BAAA/RwAAuggAABAAAAAmAAAACAAAADwgAAAAAAAA"/>
+                <pr:smNativeData xmlns="smNativeData" xmlns:pr="smNativeData" xmlns:p15="http://schemas.microsoft.com/office/powerpoint/2012/main" xmlns:p14="http://schemas.microsoft.com/office/powerpoint/2010/main" xmlns:mc="http://schemas.openxmlformats.org/markup-compatibility/2006" val="SMDATA_15_q5OGZBMAAAAlAAAAZAAAAA0AAAAAAAAAAAAAAAAAAAAAAAAAAAAAAAABAAAAAAAAAAEAAABQAAAAAAAAAAAA4D8AAAAAAADgPwAAAAAAAOA/AAAAAAAA4D8AAAAAAADgPwAAAAAAAOA/AAAAAAAA4D8AAAAAAADgPwAAAAAAAOA/AAAAAAAA4D8CAAAAjAAAAAAAAAAAAAAARHLEDP///wgAAAAAAAAAAAAAAAAAAAAAAAAAAAAAAAAAAAAAZAAAAAEAAABAAAAAAAAAAAAAAAAAAAAAAAAAAAAAAAAAAAAAAAAAAAAAAAAAAAAAAAAAAAAAAAAAAAAAAAAAAAAAAAAAAAAAAAAAAAAAAAAAAAAAAAAAAAAAAAAAAAAAFAAAADwAAAAAAAAAAAAAAAAAAAkUAAAAAQAAABQAAAAUAAAAFAAAAAEAAAAAAAAAZAAAAGQAAAAAAAAAZAAAAGQAAAAVAAAAYAAAAAAAAAAAAAAADwAAACADAAAAAAAAAAAAAAEAAACgMgAAVgcAAKr4//8BAAAAf39/AAEAAABkAAAAAAAAABQAAABAHwAAAAAAACYAAAAAAAAAwOD//wAAAAAmAAAAZAAAABYAAABMAAAAAAAAAAAAAAAEAAAAAAAAAAEAAADn5uYKAAAAACgAAAAoAAAAZAAAAGQAAAAAAAAAzMzMAAAAAABQAAAAUAAAAGQAAABkAAAAAAAAABcAAAAUAAAAAAAAAAAAAAD/fwAA/38AAAAAAAAJAAAABAAAAAAAAAAeAAAAaAAAAAAAAAAAAAAAAAAAAAAAAAAAAAAAECcAABAnAAAAAAAAAAAAAAAAAAAAAAAAAAAAAAAAAAAAAAAAAAAAABQAAAAAAAAAwMD/AAAAAABkAAAAMgAAAAAAAABkAAAAAAAAAH9/fwAKAAAAIgAAABgAAAAAAAAAAAAAAAAAAAAAAAAAAAAAAAAAAAAkAAAAJAAAAAAAAAAHAAAAAAAAAAAAAAAAAAAAAAAAAAAAAAAAAAAAf39/ACUAAABYAAAAAAAAAAAAAAAAAAAAAAAAAAAAAAAAAAAAAAAAAAAAAAAAAAAAAAAAAAAAAAA/AAAAAAAAAKCGAQAAAAAAAAAAAAAAAAAMAAAAAQAAAAAAAAAAAAAAAAAAAB8AAABUAAAAAAAABQAAAAEAAAAAAAAAAAAAAAAAAAAAAAAAAAAAAAAAAAAAAAAAAAAAAAJ/f38AAAAAA8zMzADAwP8Af39/AAAAAAAAAAAAAAAAAAAAAAAAAAAAIQAAABgAAAAUAAAAwAMAAK8BAAA/RwAAuggAABAAAAAmAAAACAAAADwgAAAAAAAA"/>
               </a:ext>
             </a:extLst>
           </p:cNvSpPr>
@@ -5147,7 +5155,7 @@
             <a:spLocks noGrp="1" noChangeArrowheads="1"/>
             <a:extLst>
               <a:ext uri="smNativeData">
-                <pr:smNativeData xmlns:pr="smNativeData" xmlns="smNativeData" val="SMDATA_15_q5OGZBMAAAAlAAAAZAAAAA0AAAAAAAAAAAAAAAAAAAAAAAAAAAAAAAAAAAAAAAAAAAEAAABQAAAAAAAAAAAA4D8AAAAAAADgPwAAAAAAAOA/AAAAAAAA4D8AAAAAAADgPwAAAAAAAOA/AAAAAAAA4D8AAAAAAADgPwAAAAAAAOA/AAAAAAAA4D8CAAAAjAAAAAAAAAAAAAAARHLEDP///wgAAAAAAAAAAAAAAAAAAAAAAAAAAAAAAAAAAAAAZAAAAAEAAABAAAAAAAAAAAAAAAAAAAAAAAAAAAAAAAAAAAAAAAAAAAAAAAAAAAAAAAAAAAAAAAAAAAAAAAAAAAAAAAAAAAAAAAAAAAAAAAAAAAAAAAAAAAAAAAAAAAAAFAAAADwAAAAAAAAAAAAAAAAAAAkUAAAAAQAAABQAAAAUAAAAFAAAAAEAAAAAAAAAZAAAAGQAAAAAAAAAZAAAAGQAAAAVAAAAYAAAAAAAAAAAAAAADwAAACADAAAAAAAAAAAAAAEAAACgMgAAVgcAAKr4//8BAAAAf39/AAEAAABkAAAAAAAAABQAAABAHwAAAAAAACYAAAAAAAAAwOD//wAAAAAmAAAAZAAAABYAAABMAAAAAAAAAAAAAAAEAAAAAAAAAAEAAADn5uYKAAAAACgAAAAoAAAAZAAAAGQAAAAAAAAAzMzMAAAAAABQAAAAUAAAAGQAAABkAAAAAAAAABcAAAAUAAAAAAAAAAAAAAD/fwAA/38AAAAAAAAJAAAABAAAAAAAAAAeAAAAaAAAAAAAAAAAAAAAAAAAAAAAAAAAAAAAECcAABAnAAAAAAAAAAAAAAAAAAAAAAAAAAAAAAAAAAAAAAAAAAAAABQAAAAAAAAAwMD/AAAAAABkAAAAMgAAAAAAAABkAAAAAAAAAH9/fwAKAAAAIgAAABgAAAAAAAAAAAAAAAAAAAAAAAAAAAAAAAAAAAAkAAAAJAAAAAAAAAAHAAAAAAAAAAAAAAAAAAAAAAAAAAAAAAAAAAAAf39/ACUAAABYAAAAAAAAAAAAAAAAAAAAAAAAAAAAAAAAAAAAAAAAAAAAAAAAAAAAAAAAAAAAAAA/AAAAAAAAAKCGAQAAAAAAAAAAAAAAAAAMAAAAAQAAAAAAAAAAAAAAAAAAAB8AAABUAAAAAAAABQAAAAEAAAAAAAAAAAAAAAAAAAAAAAAAAAAAAAAAAAAAAAAAAAAAAAJ/f38AAAAAA8zMzADAwP8Af39/AAAAAAAAAAAAAAAAAAAAAAAAAAAAIQAAABgAAAAUAAAAwAMAAN8JAACwJAAAihUAABAAAAAmAAAACAAAAD0gAAAAAAAA"/>
+                <pr:smNativeData xmlns="smNativeData" xmlns:pr="smNativeData" xmlns:p15="http://schemas.microsoft.com/office/powerpoint/2012/main" xmlns:p14="http://schemas.microsoft.com/office/powerpoint/2010/main" xmlns:mc="http://schemas.openxmlformats.org/markup-compatibility/2006" val="SMDATA_15_q5OGZBMAAAAlAAAAZAAAAA0AAAAAAAAAAAAAAAAAAAAAAAAAAAAAAAAAAAAAAAAAAAEAAABQAAAAAAAAAAAA4D8AAAAAAADgPwAAAAAAAOA/AAAAAAAA4D8AAAAAAADgPwAAAAAAAOA/AAAAAAAA4D8AAAAAAADgPwAAAAAAAOA/AAAAAAAA4D8CAAAAjAAAAAAAAAAAAAAARHLEDP///wgAAAAAAAAAAAAAAAAAAAAAAAAAAAAAAAAAAAAAZAAAAAEAAABAAAAAAAAAAAAAAAAAAAAAAAAAAAAAAAAAAAAAAAAAAAAAAAAAAAAAAAAAAAAAAAAAAAAAAAAAAAAAAAAAAAAAAAAAAAAAAAAAAAAAAAAAAAAAAAAAAAAAFAAAADwAAAAAAAAAAAAAAAAAAAkUAAAAAQAAABQAAAAUAAAAFAAAAAEAAAAAAAAAZAAAAGQAAAAAAAAAZAAAAGQAAAAVAAAAYAAAAAAAAAAAAAAADwAAACADAAAAAAAAAAAAAAEAAACgMgAAVgcAAKr4//8BAAAAf39/AAEAAABkAAAAAAAAABQAAABAHwAAAAAAACYAAAAAAAAAwOD//wAAAAAmAAAAZAAAABYAAABMAAAAAAAAAAAAAAAEAAAAAAAAAAEAAADn5uYKAAAAACgAAAAoAAAAZAAAAGQAAAAAAAAAzMzMAAAAAABQAAAAUAAAAGQAAABkAAAAAAAAABcAAAAUAAAAAAAAAAAAAAD/fwAA/38AAAAAAAAJAAAABAAAAAAAAAAeAAAAaAAAAAAAAAAAAAAAAAAAAAAAAAAAAAAAECcAABAnAAAAAAAAAAAAAAAAAAAAAAAAAAAAAAAAAAAAAAAAAAAAABQAAAAAAAAAwMD/AAAAAABkAAAAMgAAAAAAAABkAAAAAAAAAH9/fwAKAAAAIgAAABgAAAAAAAAAAAAAAAAAAAAAAAAAAAAAAAAAAAAkAAAAJAAAAAAAAAAHAAAAAAAAAAAAAAAAAAAAAAAAAAAAAAAAAAAAf39/ACUAAABYAAAAAAAAAAAAAAAAAAAAAAAAAAAAAAAAAAAAAAAAAAAAAAAAAAAAAAAAAAAAAAA/AAAAAAAAAKCGAQAAAAAAAAAAAAAAAAAMAAAAAQAAAAAAAAAAAAAAAAAAAB8AAABUAAAAAAAABQAAAAEAAAAAAAAAAAAAAAAAAAAAAAAAAAAAAAAAAAAAAAAAAAAAAAJ/f38AAAAAA8zMzADAwP8Af39/AAAAAAAAAAAAAAAAAAAAAAAAAAAAIQAAABgAAAAUAAAAwAMAAN8JAACwJAAAihUAABAAAAAmAAAACAAAAD0gAAAAAAAA"/>
               </a:ext>
             </a:extLst>
           </p:cNvSpPr>
@@ -5183,7 +5191,7 @@
             <a:spLocks noGrp="1" noChangeArrowheads="1"/>
             <a:extLst>
               <a:ext uri="smNativeData">
-                <pr:smNativeData xmlns:pr="smNativeData" xmlns="smNativeData" val="SMDATA_15_q5OGZBMAAAAlAAAAZAAAAA0AAAAAAAAAAAAAAAAAAAAAAAAAAAAAAAAAAAAAAAAAAAEAAABQAAAAAAAAAAAA4D8AAAAAAADgPwAAAAAAAOA/AAAAAAAA4D8AAAAAAADgPwAAAAAAAOA/AAAAAAAA4D8AAAAAAADgPwAAAAAAAOA/AAAAAAAA4D8CAAAAjAAAAAAAAAAAAAAARHLEDP///wgAAAAAAAAAAAAAAAAAAAAAAAAAAAAAAAAAAAAAZAAAAAEAAABAAAAAAAAAAAAAAAAAAAAAAAAAAAAAAAAAAAAAAAAAAAAAAAAAAAAAAAAAAAAAAAAAAAAAAAAAAAAAAAAAAAAAAAAAAAAAAAAAAAAAAAAAAAAAAAAAAAAAFAAAADwAAAAAAAAAAAAAAAAAAAkUAAAAAQAAABQAAAAUAAAAFAAAAAEAAAAAAAAAZAAAAGQAAAAAAAAAZAAAAGQAAAAVAAAAYAAAAAAAAAAAAAAADwAAACADAAAAAAAAAAAAAAEAAACgMgAAVgcAAKr4//8BAAAAf39/AAEAAABkAAAAAAAAABQAAABAHwAAAAAAACYAAAAAAAAAwOD//wAAAAAmAAAAZAAAABYAAABMAAAAAAAAAAAAAAAEAAAAAAAAAAEAAADn5uYKAAAAACgAAAAoAAAAZAAAAGQAAAAAAAAAzMzMAAAAAABQAAAAUAAAAGQAAABkAAAAAAAAABcAAAAUAAAAAAAAAAAAAAD/fwAA/38AAAAAAAAJAAAABAAAAAAAAAAeAAAAaAAAAAAAAAAAAAAAAAAAAAAAAAAAAAAAECcAABAnAAAAAAAAAAAAAAAAAAAAAAAAAAAAAAAAAAAAAAAAAAAAABQAAAAAAAAAwMD/AAAAAABkAAAAMgAAAAAAAABkAAAAAAAAAH9/fwAKAAAAIgAAABgAAAAAAAAAAAAAAAAAAAAAAAAAAAAAAAAAAAAkAAAAJAAAAAAAAAAHAAAAAAAAAAAAAAAAAAAAAAAAAAAAAAAAAAAAf39/ACUAAABYAAAAAAAAAAAAAAAAAAAAAAAAAAAAAAAAAAAAAAAAAAAAAAAAAAAAAAAAAAAAAAA/AAAAAAAAAKCGAQAAAAAAAAAAAAAAAAAMAAAAAQAAAAAAAAAAAAAAAAAAAB8AAABUAAAAAAAABQAAAAEAAAAAAAAAAAAAAAAAAAAAAAAAAAAAAAAAAAAAAAAAAAAAAAJ/f38AAAAAA8zMzADAwP8Af39/AAAAAAAAAAAAAAAAAAAAAAAAAAAAIQAAABgAAAAUAAAAViYAAN8JAABGRwAAihUAABAAAAAmAAAACAAAAD0gAAAAAAAA"/>
+                <pr:smNativeData xmlns="smNativeData" xmlns:pr="smNativeData" xmlns:p15="http://schemas.microsoft.com/office/powerpoint/2012/main" xmlns:p14="http://schemas.microsoft.com/office/powerpoint/2010/main" xmlns:mc="http://schemas.openxmlformats.org/markup-compatibility/2006" val="SMDATA_15_q5OGZBMAAAAlAAAAZAAAAA0AAAAAAAAAAAAAAAAAAAAAAAAAAAAAAAAAAAAAAAAAAAEAAABQAAAAAAAAAAAA4D8AAAAAAADgPwAAAAAAAOA/AAAAAAAA4D8AAAAAAADgPwAAAAAAAOA/AAAAAAAA4D8AAAAAAADgPwAAAAAAAOA/AAAAAAAA4D8CAAAAjAAAAAAAAAAAAAAARHLEDP///wgAAAAAAAAAAAAAAAAAAAAAAAAAAAAAAAAAAAAAZAAAAAEAAABAAAAAAAAAAAAAAAAAAAAAAAAAAAAAAAAAAAAAAAAAAAAAAAAAAAAAAAAAAAAAAAAAAAAAAAAAAAAAAAAAAAAAAAAAAAAAAAAAAAAAAAAAAAAAAAAAAAAAFAAAADwAAAAAAAAAAAAAAAAAAAkUAAAAAQAAABQAAAAUAAAAFAAAAAEAAAAAAAAAZAAAAGQAAAAAAAAAZAAAAGQAAAAVAAAAYAAAAAAAAAAAAAAADwAAACADAAAAAAAAAAAAAAEAAACgMgAAVgcAAKr4//8BAAAAf39/AAEAAABkAAAAAAAAABQAAABAHwAAAAAAACYAAAAAAAAAwOD//wAAAAAmAAAAZAAAABYAAABMAAAAAAAAAAAAAAAEAAAAAAAAAAEAAADn5uYKAAAAACgAAAAoAAAAZAAAAGQAAAAAAAAAzMzMAAAAAABQAAAAUAAAAGQAAABkAAAAAAAAABcAAAAUAAAAAAAAAAAAAAD/fwAA/38AAAAAAAAJAAAABAAAAAAAAAAeAAAAaAAAAAAAAAAAAAAAAAAAAAAAAAAAAAAAECcAABAnAAAAAAAAAAAAAAAAAAAAAAAAAAAAAAAAAAAAAAAAAAAAABQAAAAAAAAAwMD/AAAAAABkAAAAMgAAAAAAAABkAAAAAAAAAH9/fwAKAAAAIgAAABgAAAAAAAAAAAAAAAAAAAAAAAAAAAAAAAAAAAAkAAAAJAAAAAAAAAAHAAAAAAAAAAAAAAAAAAAAAAAAAAAAAAAAAAAAf39/ACUAAABYAAAAAAAAAAAAAAAAAAAAAAAAAAAAAAAAAAAAAAAAAAAAAAAAAAAAAAAAAAAAAAA/AAAAAAAAAKCGAQAAAAAAAAAAAAAAAAAMAAAAAQAAAAAAAAAAAAAAAAAAAB8AAABUAAAAAAAABQAAAAEAAAAAAAAAAAAAAAAAAAAAAAAAAAAAAAAAAAAAAAAAAAAAAAJ/f38AAAAAA8zMzADAwP8Af39/AAAAAAAAAAAAAAAAAAAAAAAAAAAAIQAAABgAAAAUAAAAViYAAN8JAABGRwAAihUAABAAAAAmAAAACAAAAD0gAAAAAAAA"/>
               </a:ext>
             </a:extLst>
           </p:cNvSpPr>
@@ -5219,7 +5227,7 @@
             <a:spLocks noGrp="1" noChangeArrowheads="1"/>
             <a:extLst>
               <a:ext uri="smNativeData">
-                <pr:smNativeData xmlns:pr="smNativeData" xmlns="smNativeData" val="SMDATA_15_q5OGZBMAAAAlAAAAZAAAAA0AAAAAAAAAAAAAAAAAAAAAAAAAAAAAAAAAAAAAAAAAAAEAAABQAAAAAAAAAAAA4D8AAAAAAADgPwAAAAAAAOA/AAAAAAAA4D8AAAAAAADgPwAAAAAAAOA/AAAAAAAA4D8AAAAAAADgPwAAAAAAAOA/AAAAAAAA4D8CAAAAjAAAAAAAAAAAAAAARHLEDP///wgAAAAAAAAAAAAAAAAAAAAAAAAAAAAAAAAAAAAAZAAAAAEAAABAAAAAAAAAAAAAAAAAAAAAAAAAAAAAAAAAAAAAAAAAAAAAAAAAAAAAAAAAAAAAAAAAAAAAAAAAAAAAAAAAAAAAAAAAAAAAAAAAAAAAAAAAAAAAAAAAAAAAFAAAADwAAAAAAAAAAAAAAAAAAAkUAAAAAQAAABQAAAAUAAAAFAAAAAEAAAAAAAAAZAAAAGQAAAAAAAAAZAAAAGQAAAAVAAAAYAAAAAAAAAAAAAAADwAAACADAAAAAAAAAAAAAAEAAACgMgAAVgcAAKr4//8BAAAAf39/AAEAAABkAAAAAAAAABQAAABAHwAAAAAAACYAAAAAAAAAwOD//wAAAAAmAAAAZAAAABYAAABMAAAAAAAAAAAAAAAEAAAAAAAAAAEAAADn5uYKAAAAACgAAAAoAAAAZAAAAGQAAAAAAAAAzMzMAAAAAABQAAAAUAAAAGQAAABkAAAAAAAAABcAAAAUAAAAAAAAAAAAAAD/fwAA/38AAAAAAAAJAAAABAAAAAAAAAAeAAAAaAAAAAAAAAAAAAAAAAAAAAAAAAAAAAAAECcAABAnAAAAAAAAAAAAAAAAAAAAAAAAAAAAAAAAAAAAAAAAAAAAABQAAAAAAAAAwMD/AAAAAABkAAAAMgAAAAAAAABkAAAAAAAAAH9/fwAKAAAAIgAAABgAAAAAAAAAAAAAAAAAAAAAAAAAAAAAAAAAAAAkAAAAJAAAAAAAAAAHAAAAAAAAAAAAAAAAAAAAAAAAAAAAAAAAAAAAf39/ACUAAABYAAAAAAAAAAAAAAAAAAAAAAAAAAAAAAAAAAAAAAAAAAAAAAAAAAAAAAAAAAAAAAA/AAAAAAAAAKCGAQAAAAAAAAAAAAAAAAAMAAAAAQAAAAAAAAAAAAAAAAAAAB8AAABUAAAAAAAABQAAAAEAAAAAAAAAAAAAAAAAAAAAAAAAAAAAAAAAAAAAAAAAAAAAAAJ/f38AAAAAA8zMzADAwP8Af39/AAAAAAAAAAAAAAAAAAAAAAAAAAAAIQAAABgAAAAUAAAAwAMAAKcWAAA/RwAAUiIAABAAAAAmAAAACAAAAD0gAAAAAAAA"/>
+                <pr:smNativeData xmlns="smNativeData" xmlns:pr="smNativeData" xmlns:p15="http://schemas.microsoft.com/office/powerpoint/2012/main" xmlns:p14="http://schemas.microsoft.com/office/powerpoint/2010/main" xmlns:mc="http://schemas.openxmlformats.org/markup-compatibility/2006" val="SMDATA_15_q5OGZBMAAAAlAAAAZAAAAA0AAAAAAAAAAAAAAAAAAAAAAAAAAAAAAAAAAAAAAAAAAAEAAABQAAAAAAAAAAAA4D8AAAAAAADgPwAAAAAAAOA/AAAAAAAA4D8AAAAAAADgPwAAAAAAAOA/AAAAAAAA4D8AAAAAAADgPwAAAAAAAOA/AAAAAAAA4D8CAAAAjAAAAAAAAAAAAAAARHLEDP///wgAAAAAAAAAAAAAAAAAAAAAAAAAAAAAAAAAAAAAZAAAAAEAAABAAAAAAAAAAAAAAAAAAAAAAAAAAAAAAAAAAAAAAAAAAAAAAAAAAAAAAAAAAAAAAAAAAAAAAAAAAAAAAAAAAAAAAAAAAAAAAAAAAAAAAAAAAAAAAAAAAAAAFAAAADwAAAAAAAAAAAAAAAAAAAkUAAAAAQAAABQAAAAUAAAAFAAAAAEAAAAAAAAAZAAAAGQAAAAAAAAAZAAAAGQAAAAVAAAAYAAAAAAAAAAAAAAADwAAACADAAAAAAAAAAAAAAEAAACgMgAAVgcAAKr4//8BAAAAf39/AAEAAABkAAAAAAAAABQAAABAHwAAAAAAACYAAAAAAAAAwOD//wAAAAAmAAAAZAAAABYAAABMAAAAAAAAAAAAAAAEAAAAAAAAAAEAAADn5uYKAAAAACgAAAAoAAAAZAAAAGQAAAAAAAAAzMzMAAAAAABQAAAAUAAAAGQAAABkAAAAAAAAABcAAAAUAAAAAAAAAAAAAAD/fwAA/38AAAAAAAAJAAAABAAAAAAAAAAeAAAAaAAAAAAAAAAAAAAAAAAAAAAAAAAAAAAAECcAABAnAAAAAAAAAAAAAAAAAAAAAAAAAAAAAAAAAAAAAAAAAAAAABQAAAAAAAAAwMD/AAAAAABkAAAAMgAAAAAAAABkAAAAAAAAAH9/fwAKAAAAIgAAABgAAAAAAAAAAAAAAAAAAAAAAAAAAAAAAAAAAAAkAAAAJAAAAAAAAAAHAAAAAAAAAAAAAAAAAAAAAAAAAAAAAAAAAAAAf39/ACUAAABYAAAAAAAAAAAAAAAAAAAAAAAAAAAAAAAAAAAAAAAAAAAAAAAAAAAAAAAAAAAAAAA/AAAAAAAAAKCGAQAAAAAAAAAAAAAAAAAMAAAAAQAAAAAAAAAAAAAAAAAAAB8AAABUAAAAAAAABQAAAAEAAAAAAAAAAAAAAAAAAAAAAAAAAAAAAAAAAAAAAAAAAAAAAAJ/f38AAAAAA8zMzADAwP8Af39/AAAAAAAAAAAAAAAAAAAAAAAAAAAAIQAAABgAAAAUAAAAwAMAAKcWAAA/RwAAUiIAABAAAAAmAAAACAAAAD0gAAAAAAAA"/>
               </a:ext>
             </a:extLst>
           </p:cNvSpPr>
@@ -5257,7 +5265,7 @@
 </file>
 
 <file path=ppt/slideLayouts/slideLayout46.xml><?xml version="1.0" encoding="utf-8"?>
-<p:sldLayout xmlns:p="http://schemas.openxmlformats.org/presentationml/2006/main" xmlns:mc="http://schemas.openxmlformats.org/markup-compatibility/2006" xmlns:p14="http://schemas.microsoft.com/office/powerpoint/2010/main" xmlns:p15="http://schemas.microsoft.com/office/powerpoint/2012/main" xmlns:r="http://schemas.openxmlformats.org/officeDocument/2006/relationships" xmlns:a="http://schemas.openxmlformats.org/drawingml/2006/main" type="objOverTx" preserve="1">
+<p:sldLayout xmlns:a="http://schemas.openxmlformats.org/drawingml/2006/main" xmlns:r="http://schemas.openxmlformats.org/officeDocument/2006/relationships" xmlns:p="http://schemas.openxmlformats.org/presentationml/2006/main" type="objOverTx" preserve="1">
   <p:cSld name="Title, Content over Content">
     <p:spTree>
       <p:nvGrpSpPr>
@@ -5280,7 +5288,7 @@
             <a:spLocks noGrp="1" noChangeArrowheads="1"/>
             <a:extLst>
               <a:ext uri="smNativeData">
-                <pr:smNativeData xmlns:pr="smNativeData" xmlns="smNativeData" val="SMDATA_15_q5OGZBMAAAAlAAAAZAAAAA0AAAAAAAAAAAAAAAAAAAAAAAAAAAAAAAABAAAAAAAAAAEAAABQAAAAAAAAAAAA4D8AAAAAAADgPwAAAAAAAOA/AAAAAAAA4D8AAAAAAADgPwAAAAAAAOA/AAAAAAAA4D8AAAAAAADgPwAAAAAAAOA/AAAAAAAA4D8CAAAAjAAAAAAAAAAAAAAARHLEDP///wgAAAAAAAAAAAAAAAAAAAAAAAAAAAAAAAAAAAAAZAAAAAEAAABAAAAAAAAAAAAAAAAAAAAAAAAAAAAAAAAAAAAAAAAAAAAAAAAAAAAAAAAAAAAAAAAAAAAAAAAAAAAAAAAAAAAAAAAAAAAAAAAAAAAAAAAAAAAAAAAAAAAAFAAAADwAAAAAAAAAAAAAAAAAAAkUAAAAAQAAABQAAAAUAAAAFAAAAAEAAAAAAAAAZAAAAGQAAAAAAAAAZAAAAGQAAAAVAAAAYAAAAAAAAAAAAAAADwAAACADAAAAAAAAAAAAAAEAAACgMgAAVgcAAKr4//8BAAAAf39/AAEAAABkAAAAAAAAABQAAABAHwAAAAAAACYAAAAAAAAAwOD//wAAAAAmAAAAZAAAABYAAABMAAAAAAAAAAAAAAAEAAAAAAAAAAEAAADn5uYKAAAAACgAAAAoAAAAZAAAAGQAAAAAAAAAzMzMAAAAAABQAAAAUAAAAGQAAABkAAAAAAAAABcAAAAUAAAAAAAAAAAAAAD/fwAA/38AAAAAAAAJAAAABAAAAAAAAAAeAAAAaAAAAAAAAAAAAAAAAAAAAAAAAAAAAAAAECcAABAnAAAAAAAAAAAAAAAAAAAAAAAAAAAAAAAAAAAAAAAAAAAAABQAAAAAAAAAwMD/AAAAAABkAAAAMgAAAAAAAABkAAAAAAAAAH9/fwAKAAAAIgAAABgAAAAAAAAAAAAAAAAAAAAAAAAAAAAAAAAAAAAkAAAAJAAAAAAAAAAHAAAAAAAAAAAAAAAAAAAAAAAAAAAAAAAAAAAAf39/ACUAAABYAAAAAAAAAAAAAAAAAAAAAAAAAAAAAAAAAAAAAAAAAAAAAAAAAAAAAAAAAAAAAAA/AAAAAAAAAKCGAQAAAAAAAAAAAAAAAAAMAAAAAQAAAAAAAAAAAAAAAAAAAB8AAABUAAAAAAAABQAAAAEAAAAAAAAAAAAAAAAAAAAAAAAAAAAAAAAAAAAAAAAAAAAAAAJ/f38AAAAAA8zMzADAwP8Af39/AAAAAAAAAAAAAAAAAAAAAAAAAAAAIQAAABgAAAAUAAAAwAMAAK8BAAA/RwAAuggAABAAAAAmAAAACAAAADwgAAAAAAAA"/>
+                <pr:smNativeData xmlns="smNativeData" xmlns:pr="smNativeData" xmlns:p15="http://schemas.microsoft.com/office/powerpoint/2012/main" xmlns:p14="http://schemas.microsoft.com/office/powerpoint/2010/main" xmlns:mc="http://schemas.openxmlformats.org/markup-compatibility/2006" val="SMDATA_15_q5OGZBMAAAAlAAAAZAAAAA0AAAAAAAAAAAAAAAAAAAAAAAAAAAAAAAABAAAAAAAAAAEAAABQAAAAAAAAAAAA4D8AAAAAAADgPwAAAAAAAOA/AAAAAAAA4D8AAAAAAADgPwAAAAAAAOA/AAAAAAAA4D8AAAAAAADgPwAAAAAAAOA/AAAAAAAA4D8CAAAAjAAAAAAAAAAAAAAARHLEDP///wgAAAAAAAAAAAAAAAAAAAAAAAAAAAAAAAAAAAAAZAAAAAEAAABAAAAAAAAAAAAAAAAAAAAAAAAAAAAAAAAAAAAAAAAAAAAAAAAAAAAAAAAAAAAAAAAAAAAAAAAAAAAAAAAAAAAAAAAAAAAAAAAAAAAAAAAAAAAAAAAAAAAAFAAAADwAAAAAAAAAAAAAAAAAAAkUAAAAAQAAABQAAAAUAAAAFAAAAAEAAAAAAAAAZAAAAGQAAAAAAAAAZAAAAGQAAAAVAAAAYAAAAAAAAAAAAAAADwAAACADAAAAAAAAAAAAAAEAAACgMgAAVgcAAKr4//8BAAAAf39/AAEAAABkAAAAAAAAABQAAABAHwAAAAAAACYAAAAAAAAAwOD//wAAAAAmAAAAZAAAABYAAABMAAAAAAAAAAAAAAAEAAAAAAAAAAEAAADn5uYKAAAAACgAAAAoAAAAZAAAAGQAAAAAAAAAzMzMAAAAAABQAAAAUAAAAGQAAABkAAAAAAAAABcAAAAUAAAAAAAAAAAAAAD/fwAA/38AAAAAAAAJAAAABAAAAAAAAAAeAAAAaAAAAAAAAAAAAAAAAAAAAAAAAAAAAAAAECcAABAnAAAAAAAAAAAAAAAAAAAAAAAAAAAAAAAAAAAAAAAAAAAAABQAAAAAAAAAwMD/AAAAAABkAAAAMgAAAAAAAABkAAAAAAAAAH9/fwAKAAAAIgAAABgAAAAAAAAAAAAAAAAAAAAAAAAAAAAAAAAAAAAkAAAAJAAAAAAAAAAHAAAAAAAAAAAAAAAAAAAAAAAAAAAAAAAAAAAAf39/ACUAAABYAAAAAAAAAAAAAAAAAAAAAAAAAAAAAAAAAAAAAAAAAAAAAAAAAAAAAAAAAAAAAAA/AAAAAAAAAKCGAQAAAAAAAAAAAAAAAAAMAAAAAQAAAAAAAAAAAAAAAAAAAB8AAABUAAAAAAAABQAAAAEAAAAAAAAAAAAAAAAAAAAAAAAAAAAAAAAAAAAAAAAAAAAAAAJ/f38AAAAAA8zMzADAwP8Af39/AAAAAAAAAAAAAAAAAAAAAAAAAAAAIQAAABgAAAAUAAAAwAMAAK8BAAA/RwAAuggAABAAAAAmAAAACAAAADwgAAAAAAAA"/>
               </a:ext>
             </a:extLst>
           </p:cNvSpPr>
@@ -5311,7 +5319,7 @@
             <a:spLocks noGrp="1" noChangeArrowheads="1"/>
             <a:extLst>
               <a:ext uri="smNativeData">
-                <pr:smNativeData xmlns:pr="smNativeData" xmlns="smNativeData" val="SMDATA_15_q5OGZBMAAAAlAAAAZAAAAA0AAAAAAAAAAAAAAAAAAAAAAAAAAAAAAAAAAAAAAAAAAAEAAABQAAAAAAAAAAAA4D8AAAAAAADgPwAAAAAAAOA/AAAAAAAA4D8AAAAAAADgPwAAAAAAAOA/AAAAAAAA4D8AAAAAAADgPwAAAAAAAOA/AAAAAAAA4D8CAAAAjAAAAAAAAAAAAAAARHLEDP///wgAAAAAAAAAAAAAAAAAAAAAAAAAAAAAAAAAAAAAZAAAAAEAAABAAAAAAAAAAAAAAAAAAAAAAAAAAAAAAAAAAAAAAAAAAAAAAAAAAAAAAAAAAAAAAAAAAAAAAAAAAAAAAAAAAAAAAAAAAAAAAAAAAAAAAAAAAAAAAAAAAAAAFAAAADwAAAAAAAAAAAAAAAAAAAkUAAAAAQAAABQAAAAUAAAAFAAAAAEAAAAAAAAAZAAAAGQAAAAAAAAAZAAAAGQAAAAVAAAAYAAAAAAAAAAAAAAADwAAACADAAAAAAAAAAAAAAEAAACgMgAAVgcAAKr4//8BAAAAf39/AAEAAABkAAAAAAAAABQAAABAHwAAAAAAACYAAAAAAAAAwOD//wAAAAAmAAAAZAAAABYAAABMAAAAAAAAAAAAAAAEAAAAAAAAAAEAAADn5uYKAAAAACgAAAAoAAAAZAAAAGQAAAAAAAAAzMzMAAAAAABQAAAAUAAAAGQAAABkAAAAAAAAABcAAAAUAAAAAAAAAAAAAAD/fwAA/38AAAAAAAAJAAAABAAAAAAAAAAeAAAAaAAAAAAAAAAAAAAAAAAAAAAAAAAAAAAAECcAABAnAAAAAAAAAAAAAAAAAAAAAAAAAAAAAAAAAAAAAAAAAAAAABQAAAAAAAAAwMD/AAAAAABkAAAAMgAAAAAAAABkAAAAAAAAAH9/fwAKAAAAIgAAABgAAAAAAAAAAAAAAAAAAAAAAAAAAAAAAAAAAAAkAAAAJAAAAAAAAAAHAAAAAAAAAAAAAAAAAAAAAAAAAAAAAAAAAAAAf39/ACUAAABYAAAAAAAAAAAAAAAAAAAAAAAAAAAAAAAAAAAAAAAAAAAAAAAAAAAAAAAAAAAAAAA/AAAAAAAAAKCGAQAAAAAAAAAAAAAAAAAMAAAAAQAAAAAAAAAAAAAAAAAAAB8AAABUAAAAAAAABQAAAAEAAAAAAAAAAAAAAAAAAAAAAAAAAAAAAAAAAAAAAAAAAAAAAAJ/f38AAAAAA8zMzADAwP8Af39/AAAAAAAAAAAAAAAAAAAAAAAAAAAAIQAAABgAAAAUAAAAwAMAAN8JAAA/RwAAihUAABAAAAAmAAAACAAAAD0gAAAAAAAA"/>
+                <pr:smNativeData xmlns="smNativeData" xmlns:pr="smNativeData" xmlns:p15="http://schemas.microsoft.com/office/powerpoint/2012/main" xmlns:p14="http://schemas.microsoft.com/office/powerpoint/2010/main" xmlns:mc="http://schemas.openxmlformats.org/markup-compatibility/2006" val="SMDATA_15_q5OGZBMAAAAlAAAAZAAAAA0AAAAAAAAAAAAAAAAAAAAAAAAAAAAAAAAAAAAAAAAAAAEAAABQAAAAAAAAAAAA4D8AAAAAAADgPwAAAAAAAOA/AAAAAAAA4D8AAAAAAADgPwAAAAAAAOA/AAAAAAAA4D8AAAAAAADgPwAAAAAAAOA/AAAAAAAA4D8CAAAAjAAAAAAAAAAAAAAARHLEDP///wgAAAAAAAAAAAAAAAAAAAAAAAAAAAAAAAAAAAAAZAAAAAEAAABAAAAAAAAAAAAAAAAAAAAAAAAAAAAAAAAAAAAAAAAAAAAAAAAAAAAAAAAAAAAAAAAAAAAAAAAAAAAAAAAAAAAAAAAAAAAAAAAAAAAAAAAAAAAAAAAAAAAAFAAAADwAAAAAAAAAAAAAAAAAAAkUAAAAAQAAABQAAAAUAAAAFAAAAAEAAAAAAAAAZAAAAGQAAAAAAAAAZAAAAGQAAAAVAAAAYAAAAAAAAAAAAAAADwAAACADAAAAAAAAAAAAAAEAAACgMgAAVgcAAKr4//8BAAAAf39/AAEAAABkAAAAAAAAABQAAABAHwAAAAAAACYAAAAAAAAAwOD//wAAAAAmAAAAZAAAABYAAABMAAAAAAAAAAAAAAAEAAAAAAAAAAEAAADn5uYKAAAAACgAAAAoAAAAZAAAAGQAAAAAAAAAzMzMAAAAAABQAAAAUAAAAGQAAABkAAAAAAAAABcAAAAUAAAAAAAAAAAAAAD/fwAA/38AAAAAAAAJAAAABAAAAAAAAAAeAAAAaAAAAAAAAAAAAAAAAAAAAAAAAAAAAAAAECcAABAnAAAAAAAAAAAAAAAAAAAAAAAAAAAAAAAAAAAAAAAAAAAAABQAAAAAAAAAwMD/AAAAAABkAAAAMgAAAAAAAABkAAAAAAAAAH9/fwAKAAAAIgAAABgAAAAAAAAAAAAAAAAAAAAAAAAAAAAAAAAAAAAkAAAAJAAAAAAAAAAHAAAAAAAAAAAAAAAAAAAAAAAAAAAAAAAAAAAAf39/ACUAAABYAAAAAAAAAAAAAAAAAAAAAAAAAAAAAAAAAAAAAAAAAAAAAAAAAAAAAAAAAAAAAAA/AAAAAAAAAKCGAQAAAAAAAAAAAAAAAAAMAAAAAQAAAAAAAAAAAAAAAAAAAB8AAABUAAAAAAAABQAAAAEAAAAAAAAAAAAAAAAAAAAAAAAAAAAAAAAAAAAAAAAAAAAAAAJ/f38AAAAAA8zMzADAwP8Af39/AAAAAAAAAAAAAAAAAAAAAAAAAAAAIQAAABgAAAAUAAAAwAMAAN8JAAA/RwAAihUAABAAAAAmAAAACAAAAD0gAAAAAAAA"/>
               </a:ext>
             </a:extLst>
           </p:cNvSpPr>
@@ -5347,7 +5355,7 @@
             <a:spLocks noGrp="1" noChangeArrowheads="1"/>
             <a:extLst>
               <a:ext uri="smNativeData">
-                <pr:smNativeData xmlns:pr="smNativeData" xmlns="smNativeData" val="SMDATA_15_q5OGZBMAAAAlAAAAZAAAAA0AAAAAAAAAAAAAAAAAAAAAAAAAAAAAAAAAAAAAAAAAAAEAAABQAAAAAAAAAAAA4D8AAAAAAADgPwAAAAAAAOA/AAAAAAAA4D8AAAAAAADgPwAAAAAAAOA/AAAAAAAA4D8AAAAAAADgPwAAAAAAAOA/AAAAAAAA4D8CAAAAjAAAAAAAAAAAAAAARHLEDP///wgAAAAAAAAAAAAAAAAAAAAAAAAAAAAAAAAAAAAAZAAAAAEAAABAAAAAAAAAAAAAAAAAAAAAAAAAAAAAAAAAAAAAAAAAAAAAAAAAAAAAAAAAAAAAAAAAAAAAAAAAAAAAAAAAAAAAAAAAAAAAAAAAAAAAAAAAAAAAAAAAAAAAFAAAADwAAAAAAAAAAAAAAAAAAAkUAAAAAQAAABQAAAAUAAAAFAAAAAEAAAAAAAAAZAAAAGQAAAAAAAAAZAAAAGQAAAAVAAAAYAAAAAAAAAAAAAAADwAAACADAAAAAAAAAAAAAAEAAACgMgAAVgcAAKr4//8BAAAAf39/AAEAAABkAAAAAAAAABQAAABAHwAAAAAAACYAAAAAAAAAwOD//wAAAAAmAAAAZAAAABYAAABMAAAAAAAAAAAAAAAEAAAAAAAAAAEAAADn5uYKAAAAACgAAAAoAAAAZAAAAGQAAAAAAAAAzMzMAAAAAABQAAAAUAAAAGQAAABkAAAAAAAAABcAAAAUAAAAAAAAAAAAAAD/fwAA/38AAAAAAAAJAAAABAAAAAAAAAAeAAAAaAAAAAAAAAAAAAAAAAAAAAAAAAAAAAAAECcAABAnAAAAAAAAAAAAAAAAAAAAAAAAAAAAAAAAAAAAAAAAAAAAABQAAAAAAAAAwMD/AAAAAABkAAAAMgAAAAAAAABkAAAAAAAAAH9/fwAKAAAAIgAAABgAAAAAAAAAAAAAAAAAAAAAAAAAAAAAAAAAAAAkAAAAJAAAAAAAAAAHAAAAAAAAAAAAAAAAAAAAAAAAAAAAAAAAAAAAf39/ACUAAABYAAAAAAAAAAAAAAAAAAAAAAAAAAAAAAAAAAAAAAAAAAAAAAAAAAAAAAAAAAAAAAA/AAAAAAAAAKCGAQAAAAAAAAAAAAAAAAAMAAAAAQAAAAAAAAAAAAAAAAAAAB8AAABUAAAAAAAABQAAAAEAAAAAAAAAAAAAAAAAAAAAAAAAAAAAAAAAAAAAAAAAAAAAAAJ/f38AAAAAA8zMzADAwP8Af39/AAAAAAAAAAAAAAAAAAAAAAAAAAAAIQAAABgAAAAUAAAAwAMAAKcWAAA/RwAAUiIAABAAAAAmAAAACAAAAD0gAAAAAAAA"/>
+                <pr:smNativeData xmlns="smNativeData" xmlns:pr="smNativeData" xmlns:p15="http://schemas.microsoft.com/office/powerpoint/2012/main" xmlns:p14="http://schemas.microsoft.com/office/powerpoint/2010/main" xmlns:mc="http://schemas.openxmlformats.org/markup-compatibility/2006" val="SMDATA_15_q5OGZBMAAAAlAAAAZAAAAA0AAAAAAAAAAAAAAAAAAAAAAAAAAAAAAAAAAAAAAAAAAAEAAABQAAAAAAAAAAAA4D8AAAAAAADgPwAAAAAAAOA/AAAAAAAA4D8AAAAAAADgPwAAAAAAAOA/AAAAAAAA4D8AAAAAAADgPwAAAAAAAOA/AAAAAAAA4D8CAAAAjAAAAAAAAAAAAAAARHLEDP///wgAAAAAAAAAAAAAAAAAAAAAAAAAAAAAAAAAAAAAZAAAAAEAAABAAAAAAAAAAAAAAAAAAAAAAAAAAAAAAAAAAAAAAAAAAAAAAAAAAAAAAAAAAAAAAAAAAAAAAAAAAAAAAAAAAAAAAAAAAAAAAAAAAAAAAAAAAAAAAAAAAAAAFAAAADwAAAAAAAAAAAAAAAAAAAkUAAAAAQAAABQAAAAUAAAAFAAAAAEAAAAAAAAAZAAAAGQAAAAAAAAAZAAAAGQAAAAVAAAAYAAAAAAAAAAAAAAADwAAACADAAAAAAAAAAAAAAEAAACgMgAAVgcAAKr4//8BAAAAf39/AAEAAABkAAAAAAAAABQAAABAHwAAAAAAACYAAAAAAAAAwOD//wAAAAAmAAAAZAAAABYAAABMAAAAAAAAAAAAAAAEAAAAAAAAAAEAAADn5uYKAAAAACgAAAAoAAAAZAAAAGQAAAAAAAAAzMzMAAAAAABQAAAAUAAAAGQAAABkAAAAAAAAABcAAAAUAAAAAAAAAAAAAAD/fwAA/38AAAAAAAAJAAAABAAAAAAAAAAeAAAAaAAAAAAAAAAAAAAAAAAAAAAAAAAAAAAAECcAABAnAAAAAAAAAAAAAAAAAAAAAAAAAAAAAAAAAAAAAAAAAAAAABQAAAAAAAAAwMD/AAAAAABkAAAAMgAAAAAAAABkAAAAAAAAAH9/fwAKAAAAIgAAABgAAAAAAAAAAAAAAAAAAAAAAAAAAAAAAAAAAAAkAAAAJAAAAAAAAAAHAAAAAAAAAAAAAAAAAAAAAAAAAAAAAAAAAAAAf39/ACUAAABYAAAAAAAAAAAAAAAAAAAAAAAAAAAAAAAAAAAAAAAAAAAAAAAAAAAAAAAAAAAAAAA/AAAAAAAAAKCGAQAAAAAAAAAAAAAAAAAMAAAAAQAAAAAAAAAAAAAAAAAAAB8AAABUAAAAAAAABQAAAAEAAAAAAAAAAAAAAAAAAAAAAAAAAAAAAAAAAAAAAAAAAAAAAAJ/f38AAAAAA8zMzADAwP8Af39/AAAAAAAAAAAAAAAAAAAAAAAAAAAAIQAAABgAAAAUAAAAwAMAAKcWAAA/RwAAUiIAABAAAAAmAAAACAAAAD0gAAAAAAAA"/>
               </a:ext>
             </a:extLst>
           </p:cNvSpPr>
@@ -5385,7 +5393,7 @@
 </file>
 
 <file path=ppt/slideLayouts/slideLayout47.xml><?xml version="1.0" encoding="utf-8"?>
-<p:sldLayout xmlns:p="http://schemas.openxmlformats.org/presentationml/2006/main" xmlns:mc="http://schemas.openxmlformats.org/markup-compatibility/2006" xmlns:p14="http://schemas.microsoft.com/office/powerpoint/2010/main" xmlns:p15="http://schemas.microsoft.com/office/powerpoint/2012/main" xmlns:r="http://schemas.openxmlformats.org/officeDocument/2006/relationships" xmlns:a="http://schemas.openxmlformats.org/drawingml/2006/main" type="fourObj" preserve="1">
+<p:sldLayout xmlns:a="http://schemas.openxmlformats.org/drawingml/2006/main" xmlns:r="http://schemas.openxmlformats.org/officeDocument/2006/relationships" xmlns:p="http://schemas.openxmlformats.org/presentationml/2006/main" type="fourObj" preserve="1">
   <p:cSld name="Title, 4 Content">
     <p:spTree>
       <p:nvGrpSpPr>
@@ -5408,7 +5416,7 @@
             <a:spLocks noGrp="1" noChangeArrowheads="1"/>
             <a:extLst>
               <a:ext uri="smNativeData">
-                <pr:smNativeData xmlns:pr="smNativeData" xmlns="smNativeData" val="SMDATA_15_q5OGZBMAAAAlAAAAZAAAAA0AAAAAAAAAAAAAAAAAAAAAAAAAAAAAAAABAAAAAAAAAAEAAABQAAAAAAAAAAAA4D8AAAAAAADgPwAAAAAAAOA/AAAAAAAA4D8AAAAAAADgPwAAAAAAAOA/AAAAAAAA4D8AAAAAAADgPwAAAAAAAOA/AAAAAAAA4D8CAAAAjAAAAAAAAAAAAAAARHLEDP///wgAAAAAAAAAAAAAAAAAAAAAAAAAAAAAAAAAAAAAZAAAAAEAAABAAAAAAAAAAAAAAAAAAAAAAAAAAAAAAAAAAAAAAAAAAAAAAAAAAAAAAAAAAAAAAAAAAAAAAAAAAAAAAAAAAAAAAAAAAAAAAAAAAAAAAAAAAAAAAAAAAAAAFAAAADwAAAAAAAAAAAAAAAAAAAkUAAAAAQAAABQAAAAUAAAAFAAAAAEAAAAAAAAAZAAAAGQAAAAAAAAAZAAAAGQAAAAVAAAAYAAAAAAAAAAAAAAADwAAACADAAAAAAAAAAAAAAEAAACgMgAAVgcAAKr4//8BAAAAf39/AAEAAABkAAAAAAAAABQAAABAHwAAAAAAACYAAAAAAAAAwOD//wAAAAAmAAAAZAAAABYAAABMAAAAAAAAAAAAAAAEAAAAAAAAAAEAAADn5uYKAAAAACgAAAAoAAAAZAAAAGQAAAAAAAAAzMzMAAAAAABQAAAAUAAAAGQAAABkAAAAAAAAABcAAAAUAAAAAAAAAAAAAAD/fwAA/38AAAAAAAAJAAAABAAAAAAAAAAeAAAAaAAAAAAAAAAAAAAAAAAAAAAAAAAAAAAAECcAABAnAAAAAAAAAAAAAAAAAAAAAAAAAAAAAAAAAAAAAAAAAAAAABQAAAAAAAAAwMD/AAAAAABkAAAAMgAAAAAAAABkAAAAAAAAAH9/fwAKAAAAIgAAABgAAAAAAAAAAAAAAAAAAAAAAAAAAAAAAAAAAAAkAAAAJAAAAAAAAAAHAAAAAAAAAAAAAAAAAAAAAAAAAAAAAAAAAAAAf39/ACUAAABYAAAAAAAAAAAAAAAAAAAAAAAAAAAAAAAAAAAAAAAAAAAAAAAAAAAAAAAAAAAAAAA/AAAAAAAAAKCGAQAAAAAAAAAAAAAAAAAMAAAAAQAAAAAAAAAAAAAAAAAAAB8AAABUAAAAAAAABQAAAAEAAAAAAAAAAAAAAAAAAAAAAAAAAAAAAAAAAAAAAAAAAAAAAAJ/f38AAAAAA8zMzADAwP8Af39/AAAAAAAAAAAAAAAAAAAAAAAAAAAAIQAAABgAAAAUAAAAwAMAAK8BAAA/RwAAuggAABAAAAAmAAAACAAAADwgAAAAAAAA"/>
+                <pr:smNativeData xmlns="smNativeData" xmlns:pr="smNativeData" xmlns:p15="http://schemas.microsoft.com/office/powerpoint/2012/main" xmlns:p14="http://schemas.microsoft.com/office/powerpoint/2010/main" xmlns:mc="http://schemas.openxmlformats.org/markup-compatibility/2006" val="SMDATA_15_q5OGZBMAAAAlAAAAZAAAAA0AAAAAAAAAAAAAAAAAAAAAAAAAAAAAAAABAAAAAAAAAAEAAABQAAAAAAAAAAAA4D8AAAAAAADgPwAAAAAAAOA/AAAAAAAA4D8AAAAAAADgPwAAAAAAAOA/AAAAAAAA4D8AAAAAAADgPwAAAAAAAOA/AAAAAAAA4D8CAAAAjAAAAAAAAAAAAAAARHLEDP///wgAAAAAAAAAAAAAAAAAAAAAAAAAAAAAAAAAAAAAZAAAAAEAAABAAAAAAAAAAAAAAAAAAAAAAAAAAAAAAAAAAAAAAAAAAAAAAAAAAAAAAAAAAAAAAAAAAAAAAAAAAAAAAAAAAAAAAAAAAAAAAAAAAAAAAAAAAAAAAAAAAAAAFAAAADwAAAAAAAAAAAAAAAAAAAkUAAAAAQAAABQAAAAUAAAAFAAAAAEAAAAAAAAAZAAAAGQAAAAAAAAAZAAAAGQAAAAVAAAAYAAAAAAAAAAAAAAADwAAACADAAAAAAAAAAAAAAEAAACgMgAAVgcAAKr4//8BAAAAf39/AAEAAABkAAAAAAAAABQAAABAHwAAAAAAACYAAAAAAAAAwOD//wAAAAAmAAAAZAAAABYAAABMAAAAAAAAAAAAAAAEAAAAAAAAAAEAAADn5uYKAAAAACgAAAAoAAAAZAAAAGQAAAAAAAAAzMzMAAAAAABQAAAAUAAAAGQAAABkAAAAAAAAABcAAAAUAAAAAAAAAAAAAAD/fwAA/38AAAAAAAAJAAAABAAAAAAAAAAeAAAAaAAAAAAAAAAAAAAAAAAAAAAAAAAAAAAAECcAABAnAAAAAAAAAAAAAAAAAAAAAAAAAAAAAAAAAAAAAAAAAAAAABQAAAAAAAAAwMD/AAAAAABkAAAAMgAAAAAAAABkAAAAAAAAAH9/fwAKAAAAIgAAABgAAAAAAAAAAAAAAAAAAAAAAAAAAAAAAAAAAAAkAAAAJAAAAAAAAAAHAAAAAAAAAAAAAAAAAAAAAAAAAAAAAAAAAAAAf39/ACUAAABYAAAAAAAAAAAAAAAAAAAAAAAAAAAAAAAAAAAAAAAAAAAAAAAAAAAAAAAAAAAAAAA/AAAAAAAAAKCGAQAAAAAAAAAAAAAAAAAMAAAAAQAAAAAAAAAAAAAAAAAAAB8AAABUAAAAAAAABQAAAAEAAAAAAAAAAAAAAAAAAAAAAAAAAAAAAAAAAAAAAAAAAAAAAAJ/f38AAAAAA8zMzADAwP8Af39/AAAAAAAAAAAAAAAAAAAAAAAAAAAAIQAAABgAAAAUAAAAwAMAAK8BAAA/RwAAuggAABAAAAAmAAAACAAAADwgAAAAAAAA"/>
               </a:ext>
             </a:extLst>
           </p:cNvSpPr>
@@ -5439,7 +5447,7 @@
             <a:spLocks noGrp="1" noChangeArrowheads="1"/>
             <a:extLst>
               <a:ext uri="smNativeData">
-                <pr:smNativeData xmlns:pr="smNativeData" xmlns="smNativeData" val="SMDATA_15_q5OGZBMAAAAlAAAAZAAAAA0AAAAAAAAAAAAAAAAAAAAAAAAAAAAAAAAAAAAAAAAAAAEAAABQAAAAAAAAAAAA4D8AAAAAAADgPwAAAAAAAOA/AAAAAAAA4D8AAAAAAADgPwAAAAAAAOA/AAAAAAAA4D8AAAAAAADgPwAAAAAAAOA/AAAAAAAA4D8CAAAAjAAAAAAAAAAAAAAARHLEDP///wgAAAAAAAAAAAAAAAAAAAAAAAAAAAAAAAAAAAAAZAAAAAEAAABAAAAAAAAAAAAAAAAAAAAAAAAAAAAAAAAAAAAAAAAAAAAAAAAAAAAAAAAAAAAAAAAAAAAAAAAAAAAAAAAAAAAAAAAAAAAAAAAAAAAAAAAAAAAAAAAAAAAAFAAAADwAAAAAAAAAAAAAAAAAAAkUAAAAAQAAABQAAAAUAAAAFAAAAAEAAAAAAAAAZAAAAGQAAAAAAAAAZAAAAGQAAAAVAAAAYAAAAAAAAAAAAAAADwAAACADAAAAAAAAAAAAAAEAAACgMgAAVgcAAKr4//8BAAAAf39/AAEAAABkAAAAAAAAABQAAABAHwAAAAAAACYAAAAAAAAAwOD//wAAAAAmAAAAZAAAABYAAABMAAAAAAAAAAAAAAAEAAAAAAAAAAEAAADn5uYKAAAAACgAAAAoAAAAZAAAAGQAAAAAAAAAzMzMAAAAAABQAAAAUAAAAGQAAABkAAAAAAAAABcAAAAUAAAAAAAAAAAAAAD/fwAA/38AAAAAAAAJAAAABAAAAAAAAAAeAAAAaAAAAAAAAAAAAAAAAAAAAAAAAAAAAAAAECcAABAnAAAAAAAAAAAAAAAAAAAAAAAAAAAAAAAAAAAAAAAAAAAAABQAAAAAAAAAwMD/AAAAAABkAAAAMgAAAAAAAABkAAAAAAAAAH9/fwAKAAAAIgAAABgAAAAAAAAAAAAAAAAAAAAAAAAAAAAAAAAAAAAkAAAAJAAAAAAAAAAHAAAAAAAAAAAAAAAAAAAAAAAAAAAAAAAAAAAAf39/ACUAAABYAAAAAAAAAAAAAAAAAAAAAAAAAAAAAAAAAAAAAAAAAAAAAAAAAAAAAAAAAAAAAAA/AAAAAAAAAKCGAQAAAAAAAAAAAAAAAAAMAAAAAQAAAAAAAAAAAAAAAAAAAB8AAABUAAAAAAAABQAAAAEAAAAAAAAAAAAAAAAAAAAAAAAAAAAAAAAAAAAAAAAAAAAAAAJ/f38AAAAAA8zMzADAwP8Af39/AAAAAAAAAAAAAAAAAAAAAAAAAAAAIQAAABgAAAAUAAAAwAMAAN8JAACwJAAAihUAABAAAAAmAAAACAAAAD0gAAAAAAAA"/>
+                <pr:smNativeData xmlns="smNativeData" xmlns:pr="smNativeData" xmlns:p15="http://schemas.microsoft.com/office/powerpoint/2012/main" xmlns:p14="http://schemas.microsoft.com/office/powerpoint/2010/main" xmlns:mc="http://schemas.openxmlformats.org/markup-compatibility/2006" val="SMDATA_15_q5OGZBMAAAAlAAAAZAAAAA0AAAAAAAAAAAAAAAAAAAAAAAAAAAAAAAAAAAAAAAAAAAEAAABQAAAAAAAAAAAA4D8AAAAAAADgPwAAAAAAAOA/AAAAAAAA4D8AAAAAAADgPwAAAAAAAOA/AAAAAAAA4D8AAAAAAADgPwAAAAAAAOA/AAAAAAAA4D8CAAAAjAAAAAAAAAAAAAAARHLEDP///wgAAAAAAAAAAAAAAAAAAAAAAAAAAAAAAAAAAAAAZAAAAAEAAABAAAAAAAAAAAAAAAAAAAAAAAAAAAAAAAAAAAAAAAAAAAAAAAAAAAAAAAAAAAAAAAAAAAAAAAAAAAAAAAAAAAAAAAAAAAAAAAAAAAAAAAAAAAAAAAAAAAAAFAAAADwAAAAAAAAAAAAAAAAAAAkUAAAAAQAAABQAAAAUAAAAFAAAAAEAAAAAAAAAZAAAAGQAAAAAAAAAZAAAAGQAAAAVAAAAYAAAAAAAAAAAAAAADwAAACADAAAAAAAAAAAAAAEAAACgMgAAVgcAAKr4//8BAAAAf39/AAEAAABkAAAAAAAAABQAAABAHwAAAAAAACYAAAAAAAAAwOD//wAAAAAmAAAAZAAAABYAAABMAAAAAAAAAAAAAAAEAAAAAAAAAAEAAADn5uYKAAAAACgAAAAoAAAAZAAAAGQAAAAAAAAAzMzMAAAAAABQAAAAUAAAAGQAAABkAAAAAAAAABcAAAAUAAAAAAAAAAAAAAD/fwAA/38AAAAAAAAJAAAABAAAAAAAAAAeAAAAaAAAAAAAAAAAAAAAAAAAAAAAAAAAAAAAECcAABAnAAAAAAAAAAAAAAAAAAAAAAAAAAAAAAAAAAAAAAAAAAAAABQAAAAAAAAAwMD/AAAAAABkAAAAMgAAAAAAAABkAAAAAAAAAH9/fwAKAAAAIgAAABgAAAAAAAAAAAAAAAAAAAAAAAAAAAAAAAAAAAAkAAAAJAAAAAAAAAAHAAAAAAAAAAAAAAAAAAAAAAAAAAAAAAAAAAAAf39/ACUAAABYAAAAAAAAAAAAAAAAAAAAAAAAAAAAAAAAAAAAAAAAAAAAAAAAAAAAAAAAAAAAAAA/AAAAAAAAAKCGAQAAAAAAAAAAAAAAAAAMAAAAAQAAAAAAAAAAAAAAAAAAAB8AAABUAAAAAAAABQAAAAEAAAAAAAAAAAAAAAAAAAAAAAAAAAAAAAAAAAAAAAAAAAAAAAJ/f38AAAAAA8zMzADAwP8Af39/AAAAAAAAAAAAAAAAAAAAAAAAAAAAIQAAABgAAAAUAAAAwAMAAN8JAACwJAAAihUAABAAAAAmAAAACAAAAD0gAAAAAAAA"/>
               </a:ext>
             </a:extLst>
           </p:cNvSpPr>
@@ -5475,7 +5483,7 @@
             <a:spLocks noGrp="1" noChangeArrowheads="1"/>
             <a:extLst>
               <a:ext uri="smNativeData">
-                <pr:smNativeData xmlns:pr="smNativeData" xmlns="smNativeData" val="SMDATA_15_q5OGZBMAAAAlAAAAZAAAAA0AAAAAAAAAAAAAAAAAAAAAAAAAAAAAAAAAAAAAAAAAAAEAAABQAAAAAAAAAAAA4D8AAAAAAADgPwAAAAAAAOA/AAAAAAAA4D8AAAAAAADgPwAAAAAAAOA/AAAAAAAA4D8AAAAAAADgPwAAAAAAAOA/AAAAAAAA4D8CAAAAjAAAAAAAAAAAAAAARHLEDP///wgAAAAAAAAAAAAAAAAAAAAAAAAAAAAAAAAAAAAAZAAAAAEAAABAAAAAAAAAAAAAAAAAAAAAAAAAAAAAAAAAAAAAAAAAAAAAAAAAAAAAAAAAAAAAAAAAAAAAAAAAAAAAAAAAAAAAAAAAAAAAAAAAAAAAAAAAAAAAAAAAAAAAFAAAADwAAAAAAAAAAAAAAAAAAAkUAAAAAQAAABQAAAAUAAAAFAAAAAEAAAAAAAAAZAAAAGQAAAAAAAAAZAAAAGQAAAAVAAAAYAAAAAAAAAAAAAAADwAAACADAAAAAAAAAAAAAAEAAACgMgAAVgcAAKr4//8BAAAAf39/AAEAAABkAAAAAAAAABQAAABAHwAAAAAAACYAAAAAAAAAwOD//wAAAAAmAAAAZAAAABYAAABMAAAAAAAAAAAAAAAEAAAAAAAAAAEAAADn5uYKAAAAACgAAAAoAAAAZAAAAGQAAAAAAAAAzMzMAAAAAABQAAAAUAAAAGQAAABkAAAAAAAAABcAAAAUAAAAAAAAAAAAAAD/fwAA/38AAAAAAAAJAAAABAAAAAAAAAAeAAAAaAAAAAAAAAAAAAAAAAAAAAAAAAAAAAAAECcAABAnAAAAAAAAAAAAAAAAAAAAAAAAAAAAAAAAAAAAAAAAAAAAABQAAAAAAAAAwMD/AAAAAABkAAAAMgAAAAAAAABkAAAAAAAAAH9/fwAKAAAAIgAAABgAAAAAAAAAAAAAAAAAAAAAAAAAAAAAAAAAAAAkAAAAJAAAAAAAAAAHAAAAAAAAAAAAAAAAAAAAAAAAAAAAAAAAAAAAf39/ACUAAABYAAAAAAAAAAAAAAAAAAAAAAAAAAAAAAAAAAAAAAAAAAAAAAAAAAAAAAAAAAAAAAA/AAAAAAAAAKCGAQAAAAAAAAAAAAAAAAAMAAAAAQAAAAAAAAAAAAAAAAAAAB8AAABUAAAAAAAABQAAAAEAAAAAAAAAAAAAAAAAAAAAAAAAAAAAAAAAAAAAAAAAAAAAAAJ/f38AAAAAA8zMzADAwP8Af39/AAAAAAAAAAAAAAAAAAAAAAAAAAAAIQAAABgAAAAUAAAAViYAAN8JAABGRwAAihUAABAAAAAmAAAACAAAAD0gAAAAAAAA"/>
+                <pr:smNativeData xmlns="smNativeData" xmlns:pr="smNativeData" xmlns:p15="http://schemas.microsoft.com/office/powerpoint/2012/main" xmlns:p14="http://schemas.microsoft.com/office/powerpoint/2010/main" xmlns:mc="http://schemas.openxmlformats.org/markup-compatibility/2006" val="SMDATA_15_q5OGZBMAAAAlAAAAZAAAAA0AAAAAAAAAAAAAAAAAAAAAAAAAAAAAAAAAAAAAAAAAAAEAAABQAAAAAAAAAAAA4D8AAAAAAADgPwAAAAAAAOA/AAAAAAAA4D8AAAAAAADgPwAAAAAAAOA/AAAAAAAA4D8AAAAAAADgPwAAAAAAAOA/AAAAAAAA4D8CAAAAjAAAAAAAAAAAAAAARHLEDP///wgAAAAAAAAAAAAAAAAAAAAAAAAAAAAAAAAAAAAAZAAAAAEAAABAAAAAAAAAAAAAAAAAAAAAAAAAAAAAAAAAAAAAAAAAAAAAAAAAAAAAAAAAAAAAAAAAAAAAAAAAAAAAAAAAAAAAAAAAAAAAAAAAAAAAAAAAAAAAAAAAAAAAFAAAADwAAAAAAAAAAAAAAAAAAAkUAAAAAQAAABQAAAAUAAAAFAAAAAEAAAAAAAAAZAAAAGQAAAAAAAAAZAAAAGQAAAAVAAAAYAAAAAAAAAAAAAAADwAAACADAAAAAAAAAAAAAAEAAACgMgAAVgcAAKr4//8BAAAAf39/AAEAAABkAAAAAAAAABQAAABAHwAAAAAAACYAAAAAAAAAwOD//wAAAAAmAAAAZAAAABYAAABMAAAAAAAAAAAAAAAEAAAAAAAAAAEAAADn5uYKAAAAACgAAAAoAAAAZAAAAGQAAAAAAAAAzMzMAAAAAABQAAAAUAAAAGQAAABkAAAAAAAAABcAAAAUAAAAAAAAAAAAAAD/fwAA/38AAAAAAAAJAAAABAAAAAAAAAAeAAAAaAAAAAAAAAAAAAAAAAAAAAAAAAAAAAAAECcAABAnAAAAAAAAAAAAAAAAAAAAAAAAAAAAAAAAAAAAAAAAAAAAABQAAAAAAAAAwMD/AAAAAABkAAAAMgAAAAAAAABkAAAAAAAAAH9/fwAKAAAAIgAAABgAAAAAAAAAAAAAAAAAAAAAAAAAAAAAAAAAAAAkAAAAJAAAAAAAAAAHAAAAAAAAAAAAAAAAAAAAAAAAAAAAAAAAAAAAf39/ACUAAABYAAAAAAAAAAAAAAAAAAAAAAAAAAAAAAAAAAAAAAAAAAAAAAAAAAAAAAAAAAAAAAA/AAAAAAAAAKCGAQAAAAAAAAAAAAAAAAAMAAAAAQAAAAAAAAAAAAAAAAAAAB8AAABUAAAAAAAABQAAAAEAAAAAAAAAAAAAAAAAAAAAAAAAAAAAAAAAAAAAAAAAAAAAAAJ/f38AAAAAA8zMzADAwP8Af39/AAAAAAAAAAAAAAAAAAAAAAAAAAAAIQAAABgAAAAUAAAAViYAAN8JAABGRwAAihUAABAAAAAmAAAACAAAAD0gAAAAAAAA"/>
               </a:ext>
             </a:extLst>
           </p:cNvSpPr>
@@ -5511,7 +5519,7 @@
             <a:spLocks noGrp="1" noChangeArrowheads="1"/>
             <a:extLst>
               <a:ext uri="smNativeData">
-                <pr:smNativeData xmlns:pr="smNativeData" xmlns="smNativeData" val="SMDATA_15_q5OGZBMAAAAlAAAAZAAAAA0AAAAAAAAAAAAAAAAAAAAAAAAAAAAAAAAAAAAAAAAAAAEAAABQAAAAAAAAAAAA4D8AAAAAAADgPwAAAAAAAOA/AAAAAAAA4D8AAAAAAADgPwAAAAAAAOA/AAAAAAAA4D8AAAAAAADgPwAAAAAAAOA/AAAAAAAA4D8CAAAAjAAAAAAAAAAAAAAARHLEDP///wgAAAAAAAAAAAAAAAAAAAAAAAAAAAAAAAAAAAAAZAAAAAEAAABAAAAAAAAAAAAAAAAAAAAAAAAAAAAAAAAAAAAAAAAAAAAAAAAAAAAAAAAAAAAAAAAAAAAAAAAAAAAAAAAAAAAAAAAAAAAAAAAAAAAAAAAAAAAAAAAAAAAAFAAAADwAAAAAAAAAAAAAAAAAAAkUAAAAAQAAABQAAAAUAAAAFAAAAAEAAAAAAAAAZAAAAGQAAAAAAAAAZAAAAGQAAAAVAAAAYAAAAAAAAAAAAAAADwAAACADAAAAAAAAAAAAAAEAAACgMgAAVgcAAKr4//8BAAAAf39/AAEAAABkAAAAAAAAABQAAABAHwAAAAAAACYAAAAAAAAAwOD//wAAAAAmAAAAZAAAABYAAABMAAAAAAAAAAAAAAAEAAAAAAAAAAEAAADn5uYKAAAAACgAAAAoAAAAZAAAAGQAAAAAAAAAzMzMAAAAAABQAAAAUAAAAGQAAABkAAAAAAAAABcAAAAUAAAAAAAAAAAAAAD/fwAA/38AAAAAAAAJAAAABAAAAAAAAAAeAAAAaAAAAAAAAAAAAAAAAAAAAAAAAAAAAAAAECcAABAnAAAAAAAAAAAAAAAAAAAAAAAAAAAAAAAAAAAAAAAAAAAAABQAAAAAAAAAwMD/AAAAAABkAAAAMgAAAAAAAABkAAAAAAAAAH9/fwAKAAAAIgAAABgAAAAAAAAAAAAAAAAAAAAAAAAAAAAAAAAAAAAkAAAAJAAAAAAAAAAHAAAAAAAAAAAAAAAAAAAAAAAAAAAAAAAAAAAAf39/ACUAAABYAAAAAAAAAAAAAAAAAAAAAAAAAAAAAAAAAAAAAAAAAAAAAAAAAAAAAAAAAAAAAAA/AAAAAAAAAKCGAQAAAAAAAAAAAAAAAAAMAAAAAQAAAAAAAAAAAAAAAAAAAB8AAABUAAAAAAAABQAAAAEAAAAAAAAAAAAAAAAAAAAAAAAAAAAAAAAAAAAAAAAAAAAAAAJ/f38AAAAAA8zMzADAwP8Af39/AAAAAAAAAAAAAAAAAAAAAAAAAAAAIQAAABgAAAAUAAAAwAMAAKcWAACwJAAAUiIAABAAAAAmAAAACAAAAD0gAAAAAAAA"/>
+                <pr:smNativeData xmlns="smNativeData" xmlns:pr="smNativeData" xmlns:p15="http://schemas.microsoft.com/office/powerpoint/2012/main" xmlns:p14="http://schemas.microsoft.com/office/powerpoint/2010/main" xmlns:mc="http://schemas.openxmlformats.org/markup-compatibility/2006" val="SMDATA_15_q5OGZBMAAAAlAAAAZAAAAA0AAAAAAAAAAAAAAAAAAAAAAAAAAAAAAAAAAAAAAAAAAAEAAABQAAAAAAAAAAAA4D8AAAAAAADgPwAAAAAAAOA/AAAAAAAA4D8AAAAAAADgPwAAAAAAAOA/AAAAAAAA4D8AAAAAAADgPwAAAAAAAOA/AAAAAAAA4D8CAAAAjAAAAAAAAAAAAAAARHLEDP///wgAAAAAAAAAAAAAAAAAAAAAAAAAAAAAAAAAAAAAZAAAAAEAAABAAAAAAAAAAAAAAAAAAAAAAAAAAAAAAAAAAAAAAAAAAAAAAAAAAAAAAAAAAAAAAAAAAAAAAAAAAAAAAAAAAAAAAAAAAAAAAAAAAAAAAAAAAAAAAAAAAAAAFAAAADwAAAAAAAAAAAAAAAAAAAkUAAAAAQAAABQAAAAUAAAAFAAAAAEAAAAAAAAAZAAAAGQAAAAAAAAAZAAAAGQAAAAVAAAAYAAAAAAAAAAAAAAADwAAACADAAAAAAAAAAAAAAEAAACgMgAAVgcAAKr4//8BAAAAf39/AAEAAABkAAAAAAAAABQAAABAHwAAAAAAACYAAAAAAAAAwOD//wAAAAAmAAAAZAAAABYAAABMAAAAAAAAAAAAAAAEAAAAAAAAAAEAAADn5uYKAAAAACgAAAAoAAAAZAAAAGQAAAAAAAAAzMzMAAAAAABQAAAAUAAAAGQAAABkAAAAAAAAABcAAAAUAAAAAAAAAAAAAAD/fwAA/38AAAAAAAAJAAAABAAAAAAAAAAeAAAAaAAAAAAAAAAAAAAAAAAAAAAAAAAAAAAAECcAABAnAAAAAAAAAAAAAAAAAAAAAAAAAAAAAAAAAAAAAAAAAAAAABQAAAAAAAAAwMD/AAAAAABkAAAAMgAAAAAAAABkAAAAAAAAAH9/fwAKAAAAIgAAABgAAAAAAAAAAAAAAAAAAAAAAAAAAAAAAAAAAAAkAAAAJAAAAAAAAAAHAAAAAAAAAAAAAAAAAAAAAAAAAAAAAAAAAAAAf39/ACUAAABYAAAAAAAAAAAAAAAAAAAAAAAAAAAAAAAAAAAAAAAAAAAAAAAAAAAAAAAAAAAAAAA/AAAAAAAAAKCGAQAAAAAAAAAAAAAAAAAMAAAAAQAAAAAAAAAAAAAAAAAAAB8AAABUAAAAAAAABQAAAAEAAAAAAAAAAAAAAAAAAAAAAAAAAAAAAAAAAAAAAAAAAAAAAAJ/f38AAAAAA8zMzADAwP8Af39/AAAAAAAAAAAAAAAAAAAAAAAAAAAAIQAAABgAAAAUAAAAwAMAAKcWAACwJAAAUiIAABAAAAAmAAAACAAAAD0gAAAAAAAA"/>
               </a:ext>
             </a:extLst>
           </p:cNvSpPr>
@@ -5547,7 +5555,7 @@
             <a:spLocks noGrp="1" noChangeArrowheads="1"/>
             <a:extLst>
               <a:ext uri="smNativeData">
-                <pr:smNativeData xmlns:pr="smNativeData" xmlns="smNativeData" val="SMDATA_15_q5OGZBMAAAAlAAAAZAAAAA0AAAAAAAAAAAAAAAAAAAAAAAAAAAAAAAAAAAAAAAAAAAEAAABQAAAAAAAAAAAA4D8AAAAAAADgPwAAAAAAAOA/AAAAAAAA4D8AAAAAAADgPwAAAAAAAOA/AAAAAAAA4D8AAAAAAADgPwAAAAAAAOA/AAAAAAAA4D8CAAAAjAAAAAAAAAAAAAAARHLEDP///wgAAAAAAAAAAAAAAAAAAAAAAAAAAAAAAAAAAAAAZAAAAAEAAABAAAAAAAAAAAAAAAAAAAAAAAAAAAAAAAAAAAAAAAAAAAAAAAAAAAAAAAAAAAAAAAAAAAAAAAAAAAAAAAAAAAAAAAAAAAAAAAAAAAAAAAAAAAAAAAAAAAAAFAAAADwAAAAAAAAAAAAAAAAAAAkUAAAAAQAAABQAAAAUAAAAFAAAAAEAAAAAAAAAZAAAAGQAAAAAAAAAZAAAAGQAAAAVAAAAYAAAAAAAAAAAAAAADwAAACADAAAAAAAAAAAAAAEAAACgMgAAVgcAAKr4//8BAAAAf39/AAEAAABkAAAAAAAAABQAAABAHwAAAAAAACYAAAAAAAAAwOD//wAAAAAmAAAAZAAAABYAAABMAAAAAAAAAAAAAAAEAAAAAAAAAAEAAADn5uYKAAAAACgAAAAoAAAAZAAAAGQAAAAAAAAAzMzMAAAAAABQAAAAUAAAAGQAAABkAAAAAAAAABcAAAAUAAAAAAAAAAAAAAD/fwAA/38AAAAAAAAJAAAABAAAAAAAAAAeAAAAaAAAAAAAAAAAAAAAAAAAAAAAAAAAAAAAECcAABAnAAAAAAAAAAAAAAAAAAAAAAAAAAAAAAAAAAAAAAAAAAAAABQAAAAAAAAAwMD/AAAAAABkAAAAMgAAAAAAAABkAAAAAAAAAH9/fwAKAAAAIgAAABgAAAAAAAAAAAAAAAAAAAAAAAAAAAAAAAAAAAAkAAAAJAAAAAAAAAAHAAAAAAAAAAAAAAAAAAAAAAAAAAAAAAAAAAAAf39/ACUAAABYAAAAAAAAAAAAAAAAAAAAAAAAAAAAAAAAAAAAAAAAAAAAAAAAAAAAAAAAAAAAAAA/AAAAAAAAAKCGAQAAAAAAAAAAAAAAAAAMAAAAAQAAAAAAAAAAAAAAAAAAAB8AAABUAAAAAAAABQAAAAEAAAAAAAAAAAAAAAAAAAAAAAAAAAAAAAAAAAAAAAAAAAAAAAJ/f38AAAAAA8zMzADAwP8Af39/AAAAAAAAAAAAAAAAAAAAAAAAAAAAIQAAABgAAAAUAAAAViYAAKcWAABGRwAAUiIAABAAAAAmAAAACAAAAD0gAAAAAAAA"/>
+                <pr:smNativeData xmlns="smNativeData" xmlns:pr="smNativeData" xmlns:p15="http://schemas.microsoft.com/office/powerpoint/2012/main" xmlns:p14="http://schemas.microsoft.com/office/powerpoint/2010/main" xmlns:mc="http://schemas.openxmlformats.org/markup-compatibility/2006" val="SMDATA_15_q5OGZBMAAAAlAAAAZAAAAA0AAAAAAAAAAAAAAAAAAAAAAAAAAAAAAAAAAAAAAAAAAAEAAABQAAAAAAAAAAAA4D8AAAAAAADgPwAAAAAAAOA/AAAAAAAA4D8AAAAAAADgPwAAAAAAAOA/AAAAAAAA4D8AAAAAAADgPwAAAAAAAOA/AAAAAAAA4D8CAAAAjAAAAAAAAAAAAAAARHLEDP///wgAAAAAAAAAAAAAAAAAAAAAAAAAAAAAAAAAAAAAZAAAAAEAAABAAAAAAAAAAAAAAAAAAAAAAAAAAAAAAAAAAAAAAAAAAAAAAAAAAAAAAAAAAAAAAAAAAAAAAAAAAAAAAAAAAAAAAAAAAAAAAAAAAAAAAAAAAAAAAAAAAAAAFAAAADwAAAAAAAAAAAAAAAAAAAkUAAAAAQAAABQAAAAUAAAAFAAAAAEAAAAAAAAAZAAAAGQAAAAAAAAAZAAAAGQAAAAVAAAAYAAAAAAAAAAAAAAADwAAACADAAAAAAAAAAAAAAEAAACgMgAAVgcAAKr4//8BAAAAf39/AAEAAABkAAAAAAAAABQAAABAHwAAAAAAACYAAAAAAAAAwOD//wAAAAAmAAAAZAAAABYAAABMAAAAAAAAAAAAAAAEAAAAAAAAAAEAAADn5uYKAAAAACgAAAAoAAAAZAAAAGQAAAAAAAAAzMzMAAAAAABQAAAAUAAAAGQAAABkAAAAAAAAABcAAAAUAAAAAAAAAAAAAAD/fwAA/38AAAAAAAAJAAAABAAAAAAAAAAeAAAAaAAAAAAAAAAAAAAAAAAAAAAAAAAAAAAAECcAABAnAAAAAAAAAAAAAAAAAAAAAAAAAAAAAAAAAAAAAAAAAAAAABQAAAAAAAAAwMD/AAAAAABkAAAAMgAAAAAAAABkAAAAAAAAAH9/fwAKAAAAIgAAABgAAAAAAAAAAAAAAAAAAAAAAAAAAAAAAAAAAAAkAAAAJAAAAAAAAAAHAAAAAAAAAAAAAAAAAAAAAAAAAAAAAAAAAAAAf39/ACUAAABYAAAAAAAAAAAAAAAAAAAAAAAAAAAAAAAAAAAAAAAAAAAAAAAAAAAAAAAAAAAAAAA/AAAAAAAAAKCGAQAAAAAAAAAAAAAAAAAMAAAAAQAAAAAAAAAAAAAAAAAAAB8AAABUAAAAAAAABQAAAAEAAAAAAAAAAAAAAAAAAAAAAAAAAAAAAAAAAAAAAAAAAAAAAAJ/f38AAAAAA8zMzADAwP8Af39/AAAAAAAAAAAAAAAAAAAAAAAAAAAAIQAAABgAAAAUAAAAViYAAKcWAABGRwAAUiIAABAAAAAmAAAACAAAAD0gAAAAAAAA"/>
               </a:ext>
             </a:extLst>
           </p:cNvSpPr>
@@ -5585,7 +5593,7 @@
 </file>
 
 <file path=ppt/slideLayouts/slideLayout48.xml><?xml version="1.0" encoding="utf-8"?>
-<p:sldLayout xmlns:p="http://schemas.openxmlformats.org/presentationml/2006/main" xmlns:mc="http://schemas.openxmlformats.org/markup-compatibility/2006" xmlns:p14="http://schemas.microsoft.com/office/powerpoint/2010/main" xmlns:p15="http://schemas.microsoft.com/office/powerpoint/2012/main" xmlns:r="http://schemas.openxmlformats.org/officeDocument/2006/relationships" xmlns:a="http://schemas.openxmlformats.org/drawingml/2006/main" type="blank" preserve="1">
+<p:sldLayout xmlns:a="http://schemas.openxmlformats.org/drawingml/2006/main" xmlns:r="http://schemas.openxmlformats.org/officeDocument/2006/relationships" xmlns:p="http://schemas.openxmlformats.org/presentationml/2006/main" type="blank" preserve="1">
   <p:cSld name="Title, 6 Content">
     <p:spTree>
       <p:nvGrpSpPr>
@@ -5608,7 +5616,7 @@
             <a:spLocks noGrp="1" noChangeArrowheads="1"/>
             <a:extLst>
               <a:ext uri="smNativeData">
-                <pr:smNativeData xmlns:pr="smNativeData" xmlns="smNativeData" val="SMDATA_15_q5OGZBMAAAAlAAAAZAAAAA0AAAAAAAAAAAAAAAAAAAAAAAAAAAAAAAABAAAAAAAAAAEAAABQAAAAAAAAAAAA4D8AAAAAAADgPwAAAAAAAOA/AAAAAAAA4D8AAAAAAADgPwAAAAAAAOA/AAAAAAAA4D8AAAAAAADgPwAAAAAAAOA/AAAAAAAA4D8CAAAAjAAAAAAAAAAAAAAARHLEDP///wgAAAAAAAAAAAAAAAAAAAAAAAAAAAAAAAAAAAAAZAAAAAEAAABAAAAAAAAAAAAAAAAAAAAAAAAAAAAAAAAAAAAAAAAAAAAAAAAAAAAAAAAAAAAAAAAAAAAAAAAAAAAAAAAAAAAAAAAAAAAAAAAAAAAAAAAAAAAAAAAAAAAAFAAAADwAAAAAAAAAAAAAAAAAAAkUAAAAAQAAABQAAAAUAAAAFAAAAAEAAAAAAAAAZAAAAGQAAAAAAAAAZAAAAGQAAAAVAAAAYAAAAAAAAAAAAAAADwAAACADAAAAAAAAAAAAAAEAAACgMgAAVgcAAKr4//8BAAAAf39/AAEAAABkAAAAAAAAABQAAABAHwAAAAAAACYAAAAAAAAAwOD//wAAAAAmAAAAZAAAABYAAABMAAAAAAAAAAAAAAAEAAAAAAAAAAEAAADn5uYKAAAAACgAAAAoAAAAZAAAAGQAAAAAAAAAzMzMAAAAAABQAAAAUAAAAGQAAABkAAAAAAAAABcAAAAUAAAAAAAAAAAAAAD/fwAA/38AAAAAAAAJAAAABAAAAAAAAAAeAAAAaAAAAAAAAAAAAAAAAAAAAAAAAAAAAAAAECcAABAnAAAAAAAAAAAAAAAAAAAAAAAAAAAAAAAAAAAAAAAAAAAAABQAAAAAAAAAwMD/AAAAAABkAAAAMgAAAAAAAABkAAAAAAAAAH9/fwAKAAAAIgAAABgAAAAAAAAAAAAAAAAAAAAAAAAAAAAAAAAAAAAkAAAAJAAAAAAAAAAHAAAAAAAAAAAAAAAAAAAAAAAAAAAAAAAAAAAAf39/ACUAAABYAAAAAAAAAAAAAAAAAAAAAAAAAAAAAAAAAAAAAAAAAAAAAAAAAAAAAAAAAAAAAAA/AAAAAAAAAKCGAQAAAAAAAAAAAAAAAAAMAAAAAQAAAAAAAAAAAAAAAAAAAB8AAABUAAAAAAAABQAAAAEAAAAAAAAAAAAAAAAAAAAAAAAAAAAAAAAAAAAAAAAAAAAAAAJ/f38AAAAAA8zMzADAwP8Af39/AAAAAAAAAAAAAAAAAAAAAAAAAAAAIQAAABgAAAAUAAAAwAMAAK8BAAA/RwAAuggAABAAAAAmAAAACAAAADwgAAAAAAAA"/>
+                <pr:smNativeData xmlns="smNativeData" xmlns:pr="smNativeData" xmlns:p15="http://schemas.microsoft.com/office/powerpoint/2012/main" xmlns:p14="http://schemas.microsoft.com/office/powerpoint/2010/main" xmlns:mc="http://schemas.openxmlformats.org/markup-compatibility/2006" val="SMDATA_15_q5OGZBMAAAAlAAAAZAAAAA0AAAAAAAAAAAAAAAAAAAAAAAAAAAAAAAABAAAAAAAAAAEAAABQAAAAAAAAAAAA4D8AAAAAAADgPwAAAAAAAOA/AAAAAAAA4D8AAAAAAADgPwAAAAAAAOA/AAAAAAAA4D8AAAAAAADgPwAAAAAAAOA/AAAAAAAA4D8CAAAAjAAAAAAAAAAAAAAARHLEDP///wgAAAAAAAAAAAAAAAAAAAAAAAAAAAAAAAAAAAAAZAAAAAEAAABAAAAAAAAAAAAAAAAAAAAAAAAAAAAAAAAAAAAAAAAAAAAAAAAAAAAAAAAAAAAAAAAAAAAAAAAAAAAAAAAAAAAAAAAAAAAAAAAAAAAAAAAAAAAAAAAAAAAAFAAAADwAAAAAAAAAAAAAAAAAAAkUAAAAAQAAABQAAAAUAAAAFAAAAAEAAAAAAAAAZAAAAGQAAAAAAAAAZAAAAGQAAAAVAAAAYAAAAAAAAAAAAAAADwAAACADAAAAAAAAAAAAAAEAAACgMgAAVgcAAKr4//8BAAAAf39/AAEAAABkAAAAAAAAABQAAABAHwAAAAAAACYAAAAAAAAAwOD//wAAAAAmAAAAZAAAABYAAABMAAAAAAAAAAAAAAAEAAAAAAAAAAEAAADn5uYKAAAAACgAAAAoAAAAZAAAAGQAAAAAAAAAzMzMAAAAAABQAAAAUAAAAGQAAABkAAAAAAAAABcAAAAUAAAAAAAAAAAAAAD/fwAA/38AAAAAAAAJAAAABAAAAAAAAAAeAAAAaAAAAAAAAAAAAAAAAAAAAAAAAAAAAAAAECcAABAnAAAAAAAAAAAAAAAAAAAAAAAAAAAAAAAAAAAAAAAAAAAAABQAAAAAAAAAwMD/AAAAAABkAAAAMgAAAAAAAABkAAAAAAAAAH9/fwAKAAAAIgAAABgAAAAAAAAAAAAAAAAAAAAAAAAAAAAAAAAAAAAkAAAAJAAAAAAAAAAHAAAAAAAAAAAAAAAAAAAAAAAAAAAAAAAAAAAAf39/ACUAAABYAAAAAAAAAAAAAAAAAAAAAAAAAAAAAAAAAAAAAAAAAAAAAAAAAAAAAAAAAAAAAAA/AAAAAAAAAKCGAQAAAAAAAAAAAAAAAAAMAAAAAQAAAAAAAAAAAAAAAAAAAB8AAABUAAAAAAAABQAAAAEAAAAAAAAAAAAAAAAAAAAAAAAAAAAAAAAAAAAAAAAAAAAAAAJ/f38AAAAAA8zMzADAwP8Af39/AAAAAAAAAAAAAAAAAAAAAAAAAAAAIQAAABgAAAAUAAAAwAMAAK8BAAA/RwAAuggAABAAAAAmAAAACAAAADwgAAAAAAAA"/>
               </a:ext>
             </a:extLst>
           </p:cNvSpPr>
@@ -5639,7 +5647,7 @@
             <a:spLocks noGrp="1" noChangeArrowheads="1"/>
             <a:extLst>
               <a:ext uri="smNativeData">
-                <pr:smNativeData xmlns:pr="smNativeData" xmlns="smNativeData" val="SMDATA_15_q5OGZBMAAAAlAAAAZAAAAA0AAAAAAAAAAAAAAAAAAAAAAAAAAAAAAAAAAAAAAAAAAAEAAABQAAAAAAAAAAAA4D8AAAAAAADgPwAAAAAAAOA/AAAAAAAA4D8AAAAAAADgPwAAAAAAAOA/AAAAAAAA4D8AAAAAAADgPwAAAAAAAOA/AAAAAAAA4D8CAAAAjAAAAAAAAAAAAAAARHLEDP///wgAAAAAAAAAAAAAAAAAAAAAAAAAAAAAAAAAAAAAZAAAAAEAAABAAAAAAAAAAAAAAAAAAAAAAAAAAAAAAAAAAAAAAAAAAAAAAAAAAAAAAAAAAAAAAAAAAAAAAAAAAAAAAAAAAAAAAAAAAAAAAAAAAAAAAAAAAAAAAAAAAAAAFAAAADwAAAAAAAAAAAAAAAAAAAkUAAAAAQAAABQAAAAUAAAAFAAAAAEAAAAAAAAAZAAAAGQAAAAAAAAAZAAAAGQAAAAVAAAAYAAAAAAAAAAAAAAADwAAACADAAAAAAAAAAAAAAEAAACgMgAAVgcAAKr4//8BAAAAf39/AAEAAABkAAAAAAAAABQAAABAHwAAAAAAACYAAAAAAAAAwOD//wAAAAAmAAAAZAAAABYAAABMAAAAAAAAAAAAAAAEAAAAAAAAAAEAAADn5uYKAAAAACgAAAAoAAAAZAAAAGQAAAAAAAAAzMzMAAAAAABQAAAAUAAAAGQAAABkAAAAAAAAABcAAAAUAAAAAAAAAAAAAAD/fwAA/38AAAAAAAAJAAAABAAAAAAAAAAeAAAAaAAAAAAAAAAAAAAAAAAAAAAAAAAAAAAAECcAABAnAAAAAAAAAAAAAAAAAAAAAAAAAAAAAAAAAAAAAAAAAAAAABQAAAAAAAAAwMD/AAAAAABkAAAAMgAAAAAAAABkAAAAAAAAAH9/fwAKAAAAIgAAABgAAAAAAAAAAAAAAAAAAAAAAAAAAAAAAAAAAAAkAAAAJAAAAAAAAAAHAAAAAAAAAAAAAAAAAAAAAAAAAAAAAAAAAAAAf39/ACUAAABYAAAAAAAAAAAAAAAAAAAAAAAAAAAAAAAAAAAAAAAAAAAAAAAAAAAAAAAAAAAAAAA/AAAAAAAAAKCGAQAAAAAAAAAAAAAAAAAMAAAAAQAAAAAAAAAAAAAAAAAAAB8AAABUAAAAAAAABQAAAAEAAAAAAAAAAAAAAAAAAAAAAAAAAAAAAAAAAAAAAAAAAAAAAAJ/f38AAAAAA8zMzADAwP8Af39/AAAAAAAAAAAAAAAAAAAAAAAAAAAAIQAAABgAAAAUAAAAwAMAAN8JAAB8GQAAihUAABAAAAAmAAAACAAAAD0gAAAAAAAA"/>
+                <pr:smNativeData xmlns="smNativeData" xmlns:pr="smNativeData" xmlns:p15="http://schemas.microsoft.com/office/powerpoint/2012/main" xmlns:p14="http://schemas.microsoft.com/office/powerpoint/2010/main" xmlns:mc="http://schemas.openxmlformats.org/markup-compatibility/2006" val="SMDATA_15_q5OGZBMAAAAlAAAAZAAAAA0AAAAAAAAAAAAAAAAAAAAAAAAAAAAAAAAAAAAAAAAAAAEAAABQAAAAAAAAAAAA4D8AAAAAAADgPwAAAAAAAOA/AAAAAAAA4D8AAAAAAADgPwAAAAAAAOA/AAAAAAAA4D8AAAAAAADgPwAAAAAAAOA/AAAAAAAA4D8CAAAAjAAAAAAAAAAAAAAARHLEDP///wgAAAAAAAAAAAAAAAAAAAAAAAAAAAAAAAAAAAAAZAAAAAEAAABAAAAAAAAAAAAAAAAAAAAAAAAAAAAAAAAAAAAAAAAAAAAAAAAAAAAAAAAAAAAAAAAAAAAAAAAAAAAAAAAAAAAAAAAAAAAAAAAAAAAAAAAAAAAAAAAAAAAAFAAAADwAAAAAAAAAAAAAAAAAAAkUAAAAAQAAABQAAAAUAAAAFAAAAAEAAAAAAAAAZAAAAGQAAAAAAAAAZAAAAGQAAAAVAAAAYAAAAAAAAAAAAAAADwAAACADAAAAAAAAAAAAAAEAAACgMgAAVgcAAKr4//8BAAAAf39/AAEAAABkAAAAAAAAABQAAABAHwAAAAAAACYAAAAAAAAAwOD//wAAAAAmAAAAZAAAABYAAABMAAAAAAAAAAAAAAAEAAAAAAAAAAEAAADn5uYKAAAAACgAAAAoAAAAZAAAAGQAAAAAAAAAzMzMAAAAAABQAAAAUAAAAGQAAABkAAAAAAAAABcAAAAUAAAAAAAAAAAAAAD/fwAA/38AAAAAAAAJAAAABAAAAAAAAAAeAAAAaAAAAAAAAAAAAAAAAAAAAAAAAAAAAAAAECcAABAnAAAAAAAAAAAAAAAAAAAAAAAAAAAAAAAAAAAAAAAAAAAAABQAAAAAAAAAwMD/AAAAAABkAAAAMgAAAAAAAABkAAAAAAAAAH9/fwAKAAAAIgAAABgAAAAAAAAAAAAAAAAAAAAAAAAAAAAAAAAAAAAkAAAAJAAAAAAAAAAHAAAAAAAAAAAAAAAAAAAAAAAAAAAAAAAAAAAAf39/ACUAAABYAAAAAAAAAAAAAAAAAAAAAAAAAAAAAAAAAAAAAAAAAAAAAAAAAAAAAAAAAAAAAAA/AAAAAAAAAKCGAQAAAAAAAAAAAAAAAAAMAAAAAQAAAAAAAAAAAAAAAAAAAB8AAABUAAAAAAAABQAAAAEAAAAAAAAAAAAAAAAAAAAAAAAAAAAAAAAAAAAAAAAAAAAAAAJ/f38AAAAAA8zMzADAwP8Af39/AAAAAAAAAAAAAAAAAAAAAAAAAAAAIQAAABgAAAAUAAAAwAMAAN8JAAB8GQAAihUAABAAAAAmAAAACAAAAD0gAAAAAAAA"/>
               </a:ext>
             </a:extLst>
           </p:cNvSpPr>
@@ -5675,7 +5683,7 @@
             <a:spLocks noGrp="1" noChangeArrowheads="1"/>
             <a:extLst>
               <a:ext uri="smNativeData">
-                <pr:smNativeData xmlns:pr="smNativeData" xmlns="smNativeData" val="SMDATA_15_q5OGZBMAAAAlAAAAZAAAAA0AAAAAAAAAAAAAAAAAAAAAAAAAAAAAAAAAAAAAAAAAAAEAAABQAAAAAAAAAAAA4D8AAAAAAADgPwAAAAAAAOA/AAAAAAAA4D8AAAAAAADgPwAAAAAAAOA/AAAAAAAA4D8AAAAAAADgPwAAAAAAAOA/AAAAAAAA4D8CAAAAjAAAAAAAAAAAAAAARHLEDP///wgAAAAAAAAAAAAAAAAAAAAAAAAAAAAAAAAAAAAAZAAAAAEAAABAAAAAAAAAAAAAAAAAAAAAAAAAAAAAAAAAAAAAAAAAAAAAAAAAAAAAAAAAAAAAAAAAAAAAAAAAAAAAAAAAAAAAAAAAAAAAAAAAAAAAAAAAAAAAAAAAAAAAFAAAADwAAAAAAAAAAAAAAAAAAAkUAAAAAQAAABQAAAAUAAAAFAAAAAEAAAAAAAAAZAAAAGQAAAAAAAAAZAAAAGQAAAAVAAAAYAAAAAAAAAAAAAAADwAAACADAAAAAAAAAAAAAAEAAACgMgAAVgcAAKr4//8BAAAAf39/AAEAAABkAAAAAAAAABQAAABAHwAAAAAAACYAAAAAAAAAwOD//wAAAAAmAAAAZAAAABYAAABMAAAAAAAAAAAAAAAEAAAAAAAAAAEAAADn5uYKAAAAACgAAAAoAAAAZAAAAGQAAAAAAAAAzMzMAAAAAABQAAAAUAAAAGQAAABkAAAAAAAAABcAAAAUAAAAAAAAAAAAAAD/fwAA/38AAAAAAAAJAAAABAAAAAAAAAAeAAAAaAAAAAAAAAAAAAAAAAAAAAAAAAAAAAAAECcAABAnAAAAAAAAAAAAAAAAAAAAAAAAAAAAAAAAAAAAAAAAAAAAABQAAAAAAAAAwMD/AAAAAABkAAAAMgAAAAAAAABkAAAAAAAAAH9/fwAKAAAAIgAAABgAAAAAAAAAAAAAAAAAAAAAAAAAAAAAAAAAAAAkAAAAJAAAAAAAAAAHAAAAAAAAAAAAAAAAAAAAAAAAAAAAAAAAAAAAf39/ACUAAABYAAAAAAAAAAAAAAAAAAAAAAAAAAAAAAAAAAAAAAAAAAAAAAAAAAAAAAAAAAAAAAA/AAAAAAAAAKCGAQAAAAAAAAAAAAAAAAAMAAAAAQAAAAAAAAAAAAAAAAAAAB8AAABUAAAAAAAABQAAAAEAAAAAAAAAAAAAAAAAAAAAAAAAAAAAAAAAAAAAAAAAAAAAAAJ/f38AAAAAA8zMzADAwP8Af39/AAAAAAAAAAAAAAAAAAAAAAAAAAAAIQAAABgAAAAUAAAAkxoAAN8JAABOMAAAihUAABAAAAAmAAAACAAAAD0gAAAAAAAA"/>
+                <pr:smNativeData xmlns="smNativeData" xmlns:pr="smNativeData" xmlns:p15="http://schemas.microsoft.com/office/powerpoint/2012/main" xmlns:p14="http://schemas.microsoft.com/office/powerpoint/2010/main" xmlns:mc="http://schemas.openxmlformats.org/markup-compatibility/2006" val="SMDATA_15_q5OGZBMAAAAlAAAAZAAAAA0AAAAAAAAAAAAAAAAAAAAAAAAAAAAAAAAAAAAAAAAAAAEAAABQAAAAAAAAAAAA4D8AAAAAAADgPwAAAAAAAOA/AAAAAAAA4D8AAAAAAADgPwAAAAAAAOA/AAAAAAAA4D8AAAAAAADgPwAAAAAAAOA/AAAAAAAA4D8CAAAAjAAAAAAAAAAAAAAARHLEDP///wgAAAAAAAAAAAAAAAAAAAAAAAAAAAAAAAAAAAAAZAAAAAEAAABAAAAAAAAAAAAAAAAAAAAAAAAAAAAAAAAAAAAAAAAAAAAAAAAAAAAAAAAAAAAAAAAAAAAAAAAAAAAAAAAAAAAAAAAAAAAAAAAAAAAAAAAAAAAAAAAAAAAAFAAAADwAAAAAAAAAAAAAAAAAAAkUAAAAAQAAABQAAAAUAAAAFAAAAAEAAAAAAAAAZAAAAGQAAAAAAAAAZAAAAGQAAAAVAAAAYAAAAAAAAAAAAAAADwAAACADAAAAAAAAAAAAAAEAAACgMgAAVgcAAKr4//8BAAAAf39/AAEAAABkAAAAAAAAABQAAABAHwAAAAAAACYAAAAAAAAAwOD//wAAAAAmAAAAZAAAABYAAABMAAAAAAAAAAAAAAAEAAAAAAAAAAEAAADn5uYKAAAAACgAAAAoAAAAZAAAAGQAAAAAAAAAzMzMAAAAAABQAAAAUAAAAGQAAABkAAAAAAAAABcAAAAUAAAAAAAAAAAAAAD/fwAA/38AAAAAAAAJAAAABAAAAAAAAAAeAAAAaAAAAAAAAAAAAAAAAAAAAAAAAAAAAAAAECcAABAnAAAAAAAAAAAAAAAAAAAAAAAAAAAAAAAAAAAAAAAAAAAAABQAAAAAAAAAwMD/AAAAAABkAAAAMgAAAAAAAABkAAAAAAAAAH9/fwAKAAAAIgAAABgAAAAAAAAAAAAAAAAAAAAAAAAAAAAAAAAAAAAkAAAAJAAAAAAAAAAHAAAAAAAAAAAAAAAAAAAAAAAAAAAAAAAAAAAAf39/ACUAAABYAAAAAAAAAAAAAAAAAAAAAAAAAAAAAAAAAAAAAAAAAAAAAAAAAAAAAAAAAAAAAAA/AAAAAAAAAKCGAQAAAAAAAAAAAAAAAAAMAAAAAQAAAAAAAAAAAAAAAAAAAB8AAABUAAAAAAAABQAAAAEAAAAAAAAAAAAAAAAAAAAAAAAAAAAAAAAAAAAAAAAAAAAAAAJ/f38AAAAAA8zMzADAwP8Af39/AAAAAAAAAAAAAAAAAAAAAAAAAAAAIQAAABgAAAAUAAAAkxoAAN8JAABOMAAAihUAABAAAAAmAAAACAAAAD0gAAAAAAAA"/>
               </a:ext>
             </a:extLst>
           </p:cNvSpPr>
@@ -5711,7 +5719,7 @@
             <a:spLocks noGrp="1" noChangeArrowheads="1"/>
             <a:extLst>
               <a:ext uri="smNativeData">
-                <pr:smNativeData xmlns:pr="smNativeData" xmlns="smNativeData" val="SMDATA_15_q5OGZBMAAAAlAAAAZAAAAA0AAAAAAAAAAAAAAAAAAAAAAAAAAAAAAAAAAAAAAAAAAAEAAABQAAAAAAAAAAAA4D8AAAAAAADgPwAAAAAAAOA/AAAAAAAA4D8AAAAAAADgPwAAAAAAAOA/AAAAAAAA4D8AAAAAAADgPwAAAAAAAOA/AAAAAAAA4D8CAAAAjAAAAAAAAAAAAAAARHLEDP///wgAAAAAAAAAAAAAAAAAAAAAAAAAAAAAAAAAAAAAZAAAAAEAAABAAAAAAAAAAAAAAAAAAAAAAAAAAAAAAAAAAAAAAAAAAAAAAAAAAAAAAAAAAAAAAAAAAAAAAAAAAAAAAAAAAAAAAAAAAAAAAAAAAAAAAAAAAAAAAAAAAAAAFAAAADwAAAAAAAAAAAAAAAAAAAkUAAAAAQAAABQAAAAUAAAAFAAAAAEAAAAAAAAAZAAAAGQAAAAAAAAAZAAAAGQAAAAVAAAAYAAAAAAAAAAAAAAADwAAACADAAAAAAAAAAAAAAEAAACgMgAAVgcAAKr4//8BAAAAf39/AAEAAABkAAAAAAAAABQAAABAHwAAAAAAACYAAAAAAAAAwOD//wAAAAAmAAAAZAAAABYAAABMAAAAAAAAAAAAAAAEAAAAAAAAAAEAAADn5uYKAAAAACgAAAAoAAAAZAAAAGQAAAAAAAAAzMzMAAAAAABQAAAAUAAAAGQAAABkAAAAAAAAABcAAAAUAAAAAAAAAAAAAAD/fwAA/38AAAAAAAAJAAAABAAAAAAAAAAeAAAAaAAAAAAAAAAAAAAAAAAAAAAAAAAAAAAAECcAABAnAAAAAAAAAAAAAAAAAAAAAAAAAAAAAAAAAAAAAAAAAAAAABQAAAAAAAAAwMD/AAAAAABkAAAAMgAAAAAAAABkAAAAAAAAAH9/fwAKAAAAIgAAABgAAAAAAAAAAAAAAAAAAAAAAAAAAAAAAAAAAAAkAAAAJAAAAAAAAAAHAAAAAAAAAAAAAAAAAAAAAAAAAAAAAAAAAAAAf39/ACUAAABYAAAAAAAAAAAAAAAAAAAAAAAAAAAAAAAAAAAAAAAAAAAAAAAAAAAAAAAAAAAAAAA/AAAAAAAAAKCGAQAAAAAAAAAAAAAAAAAMAAAAAQAAAAAAAAAAAAAAAAAAAB8AAABUAAAAAAAABQAAAAEAAAAAAAAAAAAAAAAAAAAAAAAAAAAAAAAAAAAAAAAAAAAAAAJ/f38AAAAAA8zMzADAwP8Af39/AAAAAAAAAAAAAAAAAAAAAAAAAAAAIQAAABgAAAAUAAAAZTEAAN8JAAAhRwAAihUAABAAAAAmAAAACAAAAD0gAAAAAAAA"/>
+                <pr:smNativeData xmlns="smNativeData" xmlns:pr="smNativeData" xmlns:p15="http://schemas.microsoft.com/office/powerpoint/2012/main" xmlns:p14="http://schemas.microsoft.com/office/powerpoint/2010/main" xmlns:mc="http://schemas.openxmlformats.org/markup-compatibility/2006" val="SMDATA_15_q5OGZBMAAAAlAAAAZAAAAA0AAAAAAAAAAAAAAAAAAAAAAAAAAAAAAAAAAAAAAAAAAAEAAABQAAAAAAAAAAAA4D8AAAAAAADgPwAAAAAAAOA/AAAAAAAA4D8AAAAAAADgPwAAAAAAAOA/AAAAAAAA4D8AAAAAAADgPwAAAAAAAOA/AAAAAAAA4D8CAAAAjAAAAAAAAAAAAAAARHLEDP///wgAAAAAAAAAAAAAAAAAAAAAAAAAAAAAAAAAAAAAZAAAAAEAAABAAAAAAAAAAAAAAAAAAAAAAAAAAAAAAAAAAAAAAAAAAAAAAAAAAAAAAAAAAAAAAAAAAAAAAAAAAAAAAAAAAAAAAAAAAAAAAAAAAAAAAAAAAAAAAAAAAAAAFAAAADwAAAAAAAAAAAAAAAAAAAkUAAAAAQAAABQAAAAUAAAAFAAAAAEAAAAAAAAAZAAAAGQAAAAAAAAAZAAAAGQAAAAVAAAAYAAAAAAAAAAAAAAADwAAACADAAAAAAAAAAAAAAEAAACgMgAAVgcAAKr4//8BAAAAf39/AAEAAABkAAAAAAAAABQAAABAHwAAAAAAACYAAAAAAAAAwOD//wAAAAAmAAAAZAAAABYAAABMAAAAAAAAAAAAAAAEAAAAAAAAAAEAAADn5uYKAAAAACgAAAAoAAAAZAAAAGQAAAAAAAAAzMzMAAAAAABQAAAAUAAAAGQAAABkAAAAAAAAABcAAAAUAAAAAAAAAAAAAAD/fwAA/38AAAAAAAAJAAAABAAAAAAAAAAeAAAAaAAAAAAAAAAAAAAAAAAAAAAAAAAAAAAAECcAABAnAAAAAAAAAAAAAAAAAAAAAAAAAAAAAAAAAAAAAAAAAAAAABQAAAAAAAAAwMD/AAAAAABkAAAAMgAAAAAAAABkAAAAAAAAAH9/fwAKAAAAIgAAABgAAAAAAAAAAAAAAAAAAAAAAAAAAAAAAAAAAAAkAAAAJAAAAAAAAAAHAAAAAAAAAAAAAAAAAAAAAAAAAAAAAAAAAAAAf39/ACUAAABYAAAAAAAAAAAAAAAAAAAAAAAAAAAAAAAAAAAAAAAAAAAAAAAAAAAAAAAAAAAAAAA/AAAAAAAAAKCGAQAAAAAAAAAAAAAAAAAMAAAAAQAAAAAAAAAAAAAAAAAAAB8AAABUAAAAAAAABQAAAAEAAAAAAAAAAAAAAAAAAAAAAAAAAAAAAAAAAAAAAAAAAAAAAAJ/f38AAAAAA8zMzADAwP8Af39/AAAAAAAAAAAAAAAAAAAAAAAAAAAAIQAAABgAAAAUAAAAZTEAAN8JAAAhRwAAihUAABAAAAAmAAAACAAAAD0gAAAAAAAA"/>
               </a:ext>
             </a:extLst>
           </p:cNvSpPr>
@@ -5747,7 +5755,7 @@
             <a:spLocks noGrp="1" noChangeArrowheads="1"/>
             <a:extLst>
               <a:ext uri="smNativeData">
-                <pr:smNativeData xmlns:pr="smNativeData" xmlns="smNativeData" val="SMDATA_15_q5OGZBMAAAAlAAAAZAAAAA0AAAAAAAAAAAAAAAAAAAAAAAAAAAAAAAAAAAAAAAAAAAEAAABQAAAAAAAAAAAA4D8AAAAAAADgPwAAAAAAAOA/AAAAAAAA4D8AAAAAAADgPwAAAAAAAOA/AAAAAAAA4D8AAAAAAADgPwAAAAAAAOA/AAAAAAAA4D8CAAAAjAAAAAAAAAAAAAAARHLEDP///wgAAAAAAAAAAAAAAAAAAAAAAAAAAAAAAAAAAAAAZAAAAAEAAABAAAAAAAAAAAAAAAAAAAAAAAAAAAAAAAAAAAAAAAAAAAAAAAAAAAAAAAAAAAAAAAAAAAAAAAAAAAAAAAAAAAAAAAAAAAAAAAAAAAAAAAAAAAAAAAAAAAAAFAAAADwAAAAAAAAAAAAAAAAAAAkUAAAAAQAAABQAAAAUAAAAFAAAAAEAAAAAAAAAZAAAAGQAAAAAAAAAZAAAAGQAAAAVAAAAYAAAAAAAAAAAAAAADwAAACADAAAAAAAAAAAAAAEAAACgMgAAVgcAAKr4//8BAAAAf39/AAEAAABkAAAAAAAAABQAAABAHwAAAAAAACYAAAAAAAAAwOD//wAAAAAmAAAAZAAAABYAAABMAAAAAAAAAAAAAAAEAAAAAAAAAAEAAADn5uYKAAAAACgAAAAoAAAAZAAAAGQAAAAAAAAAzMzMAAAAAABQAAAAUAAAAGQAAABkAAAAAAAAABcAAAAUAAAAAAAAAAAAAAD/fwAA/38AAAAAAAAJAAAABAAAAAAAAAAeAAAAaAAAAAAAAAAAAAAAAAAAAAAAAAAAAAAAECcAABAnAAAAAAAAAAAAAAAAAAAAAAAAAAAAAAAAAAAAAAAAAAAAABQAAAAAAAAAwMD/AAAAAABkAAAAMgAAAAAAAABkAAAAAAAAAH9/fwAKAAAAIgAAABgAAAAAAAAAAAAAAAAAAAAAAAAAAAAAAAAAAAAkAAAAJAAAAAAAAAAHAAAAAAAAAAAAAAAAAAAAAAAAAAAAAAAAAAAAf39/ACUAAABYAAAAAAAAAAAAAAAAAAAAAAAAAAAAAAAAAAAAAAAAAAAAAAAAAAAAAAAAAAAAAAA/AAAAAAAAAKCGAQAAAAAAAAAAAAAAAAAMAAAAAQAAAAAAAAAAAAAAAAAAAB8AAABUAAAAAAAABQAAAAEAAAAAAAAAAAAAAAAAAAAAAAAAAAAAAAAAAAAAAAAAAAAAAAJ/f38AAAAAA8zMzADAwP8Af39/AAAAAAAAAAAAAAAAAAAAAAAAAAAAIQAAABgAAAAUAAAAwAMAAKcWAAB8GQAAUiIAABAAAAAmAAAACAAAAD0gAAAAAAAA"/>
+                <pr:smNativeData xmlns="smNativeData" xmlns:pr="smNativeData" xmlns:p15="http://schemas.microsoft.com/office/powerpoint/2012/main" xmlns:p14="http://schemas.microsoft.com/office/powerpoint/2010/main" xmlns:mc="http://schemas.openxmlformats.org/markup-compatibility/2006" val="SMDATA_15_q5OGZBMAAAAlAAAAZAAAAA0AAAAAAAAAAAAAAAAAAAAAAAAAAAAAAAAAAAAAAAAAAAEAAABQAAAAAAAAAAAA4D8AAAAAAADgPwAAAAAAAOA/AAAAAAAA4D8AAAAAAADgPwAAAAAAAOA/AAAAAAAA4D8AAAAAAADgPwAAAAAAAOA/AAAAAAAA4D8CAAAAjAAAAAAAAAAAAAAARHLEDP///wgAAAAAAAAAAAAAAAAAAAAAAAAAAAAAAAAAAAAAZAAAAAEAAABAAAAAAAAAAAAAAAAAAAAAAAAAAAAAAAAAAAAAAAAAAAAAAAAAAAAAAAAAAAAAAAAAAAAAAAAAAAAAAAAAAAAAAAAAAAAAAAAAAAAAAAAAAAAAAAAAAAAAFAAAADwAAAAAAAAAAAAAAAAAAAkUAAAAAQAAABQAAAAUAAAAFAAAAAEAAAAAAAAAZAAAAGQAAAAAAAAAZAAAAGQAAAAVAAAAYAAAAAAAAAAAAAAADwAAACADAAAAAAAAAAAAAAEAAACgMgAAVgcAAKr4//8BAAAAf39/AAEAAABkAAAAAAAAABQAAABAHwAAAAAAACYAAAAAAAAAwOD//wAAAAAmAAAAZAAAABYAAABMAAAAAAAAAAAAAAAEAAAAAAAAAAEAAADn5uYKAAAAACgAAAAoAAAAZAAAAGQAAAAAAAAAzMzMAAAAAABQAAAAUAAAAGQAAABkAAAAAAAAABcAAAAUAAAAAAAAAAAAAAD/fwAA/38AAAAAAAAJAAAABAAAAAAAAAAeAAAAaAAAAAAAAAAAAAAAAAAAAAAAAAAAAAAAECcAABAnAAAAAAAAAAAAAAAAAAAAAAAAAAAAAAAAAAAAAAAAAAAAABQAAAAAAAAAwMD/AAAAAABkAAAAMgAAAAAAAABkAAAAAAAAAH9/fwAKAAAAIgAAABgAAAAAAAAAAAAAAAAAAAAAAAAAAAAAAAAAAAAkAAAAJAAAAAAAAAAHAAAAAAAAAAAAAAAAAAAAAAAAAAAAAAAAAAAAf39/ACUAAABYAAAAAAAAAAAAAAAAAAAAAAAAAAAAAAAAAAAAAAAAAAAAAAAAAAAAAAAAAAAAAAA/AAAAAAAAAKCGAQAAAAAAAAAAAAAAAAAMAAAAAQAAAAAAAAAAAAAAAAAAAB8AAABUAAAAAAAABQAAAAEAAAAAAAAAAAAAAAAAAAAAAAAAAAAAAAAAAAAAAAAAAAAAAAJ/f38AAAAAA8zMzADAwP8Af39/AAAAAAAAAAAAAAAAAAAAAAAAAAAAIQAAABgAAAAUAAAAwAMAAKcWAAB8GQAAUiIAABAAAAAmAAAACAAAAD0gAAAAAAAA"/>
               </a:ext>
             </a:extLst>
           </p:cNvSpPr>
@@ -5783,7 +5791,7 @@
             <a:spLocks noGrp="1" noChangeArrowheads="1"/>
             <a:extLst>
               <a:ext uri="smNativeData">
-                <pr:smNativeData xmlns:pr="smNativeData" xmlns="smNativeData" val="SMDATA_15_q5OGZBMAAAAlAAAAZAAAAA0AAAAAAAAAAAAAAAAAAAAAAAAAAAAAAAAAAAAAAAAAAAEAAABQAAAAAAAAAAAA4D8AAAAAAADgPwAAAAAAAOA/AAAAAAAA4D8AAAAAAADgPwAAAAAAAOA/AAAAAAAA4D8AAAAAAADgPwAAAAAAAOA/AAAAAAAA4D8CAAAAjAAAAAAAAAAAAAAARHLEDP///wgAAAAAAAAAAAAAAAAAAAAAAAAAAAAAAAAAAAAAZAAAAAEAAABAAAAAAAAAAAAAAAAAAAAAAAAAAAAAAAAAAAAAAAAAAAAAAAAAAAAAAAAAAAAAAAAAAAAAAAAAAAAAAAAAAAAAAAAAAAAAAAAAAAAAAAAAAAAAAAAAAAAAFAAAADwAAAAAAAAAAAAAAAAAAAkUAAAAAQAAABQAAAAUAAAAFAAAAAEAAAAAAAAAZAAAAGQAAAAAAAAAZAAAAGQAAAAVAAAAYAAAAAAAAAAAAAAADwAAACADAAAAAAAAAAAAAAEAAACgMgAAVgcAAKr4//8BAAAAf39/AAEAAABkAAAAAAAAABQAAABAHwAAAAAAACYAAAAAAAAAwOD//wAAAAAmAAAAZAAAABYAAABMAAAAAAAAAAAAAAAEAAAAAAAAAAEAAADn5uYKAAAAACgAAAAoAAAAZAAAAGQAAAAAAAAAzMzMAAAAAABQAAAAUAAAAGQAAABkAAAAAAAAABcAAAAUAAAAAAAAAAAAAAD/fwAA/38AAAAAAAAJAAAABAAAAAAAAAAeAAAAaAAAAAAAAAAAAAAAAAAAAAAAAAAAAAAAECcAABAnAAAAAAAAAAAAAAAAAAAAAAAAAAAAAAAAAAAAAAAAAAAAABQAAAAAAAAAwMD/AAAAAABkAAAAMgAAAAAAAABkAAAAAAAAAH9/fwAKAAAAIgAAABgAAAAAAAAAAAAAAAAAAAAAAAAAAAAAAAAAAAAkAAAAJAAAAAAAAAAHAAAAAAAAAAAAAAAAAAAAAAAAAAAAAAAAAAAAf39/ACUAAABYAAAAAAAAAAAAAAAAAAAAAAAAAAAAAAAAAAAAAAAAAAAAAAAAAAAAAAAAAAAAAAA/AAAAAAAAAKCGAQAAAAAAAAAAAAAAAAAMAAAAAQAAAAAAAAAAAAAAAAAAAB8AAABUAAAAAAAABQAAAAEAAAAAAAAAAAAAAAAAAAAAAAAAAAAAAAAAAAAAAAAAAAAAAAJ/f38AAAAAA8zMzADAwP8Af39/AAAAAAAAAAAAAAAAAAAAAAAAAAAAIQAAABgAAAAUAAAAkxoAAKcWAABOMAAAUiIAABAAAAAmAAAACAAAAD0gAAAAAAAA"/>
+                <pr:smNativeData xmlns="smNativeData" xmlns:pr="smNativeData" xmlns:p15="http://schemas.microsoft.com/office/powerpoint/2012/main" xmlns:p14="http://schemas.microsoft.com/office/powerpoint/2010/main" xmlns:mc="http://schemas.openxmlformats.org/markup-compatibility/2006" val="SMDATA_15_q5OGZBMAAAAlAAAAZAAAAA0AAAAAAAAAAAAAAAAAAAAAAAAAAAAAAAAAAAAAAAAAAAEAAABQAAAAAAAAAAAA4D8AAAAAAADgPwAAAAAAAOA/AAAAAAAA4D8AAAAAAADgPwAAAAAAAOA/AAAAAAAA4D8AAAAAAADgPwAAAAAAAOA/AAAAAAAA4D8CAAAAjAAAAAAAAAAAAAAARHLEDP///wgAAAAAAAAAAAAAAAAAAAAAAAAAAAAAAAAAAAAAZAAAAAEAAABAAAAAAAAAAAAAAAAAAAAAAAAAAAAAAAAAAAAAAAAAAAAAAAAAAAAAAAAAAAAAAAAAAAAAAAAAAAAAAAAAAAAAAAAAAAAAAAAAAAAAAAAAAAAAAAAAAAAAFAAAADwAAAAAAAAAAAAAAAAAAAkUAAAAAQAAABQAAAAUAAAAFAAAAAEAAAAAAAAAZAAAAGQAAAAAAAAAZAAAAGQAAAAVAAAAYAAAAAAAAAAAAAAADwAAACADAAAAAAAAAAAAAAEAAACgMgAAVgcAAKr4//8BAAAAf39/AAEAAABkAAAAAAAAABQAAABAHwAAAAAAACYAAAAAAAAAwOD//wAAAAAmAAAAZAAAABYAAABMAAAAAAAAAAAAAAAEAAAAAAAAAAEAAADn5uYKAAAAACgAAAAoAAAAZAAAAGQAAAAAAAAAzMzMAAAAAABQAAAAUAAAAGQAAABkAAAAAAAAABcAAAAUAAAAAAAAAAAAAAD/fwAA/38AAAAAAAAJAAAABAAAAAAAAAAeAAAAaAAAAAAAAAAAAAAAAAAAAAAAAAAAAAAAECcAABAnAAAAAAAAAAAAAAAAAAAAAAAAAAAAAAAAAAAAAAAAAAAAABQAAAAAAAAAwMD/AAAAAABkAAAAMgAAAAAAAABkAAAAAAAAAH9/fwAKAAAAIgAAABgAAAAAAAAAAAAAAAAAAAAAAAAAAAAAAAAAAAAkAAAAJAAAAAAAAAAHAAAAAAAAAAAAAAAAAAAAAAAAAAAAAAAAAAAAf39/ACUAAABYAAAAAAAAAAAAAAAAAAAAAAAAAAAAAAAAAAAAAAAAAAAAAAAAAAAAAAAAAAAAAAA/AAAAAAAAAKCGAQAAAAAAAAAAAAAAAAAMAAAAAQAAAAAAAAAAAAAAAAAAAB8AAABUAAAAAAAABQAAAAEAAAAAAAAAAAAAAAAAAAAAAAAAAAAAAAAAAAAAAAAAAAAAAAJ/f38AAAAAA8zMzADAwP8Af39/AAAAAAAAAAAAAAAAAAAAAAAAAAAAIQAAABgAAAAUAAAAkxoAAKcWAABOMAAAUiIAABAAAAAmAAAACAAAAD0gAAAAAAAA"/>
               </a:ext>
             </a:extLst>
           </p:cNvSpPr>
@@ -5819,7 +5827,7 @@
             <a:spLocks noGrp="1" noChangeArrowheads="1"/>
             <a:extLst>
               <a:ext uri="smNativeData">
-                <pr:smNativeData xmlns:pr="smNativeData" xmlns="smNativeData" val="SMDATA_15_q5OGZBMAAAAlAAAAZAAAAA0AAAAAAAAAAAAAAAAAAAAAAAAAAAAAAAAAAAAAAAAAAAEAAABQAAAAAAAAAAAA4D8AAAAAAADgPwAAAAAAAOA/AAAAAAAA4D8AAAAAAADgPwAAAAAAAOA/AAAAAAAA4D8AAAAAAADgPwAAAAAAAOA/AAAAAAAA4D8CAAAAjAAAAAAAAAAAAAAARHLEDP///wgAAAAAAAAAAAAAAAAAAAAAAAAAAAAAAAAAAAAAZAAAAAEAAABAAAAAAAAAAAAAAAAAAAAAAAAAAAAAAAAAAAAAAAAAAAAAAAAAAAAAAAAAAAAAAAAAAAAAAAAAAAAAAAAAAAAAAAAAAAAAAAAAAAAAAAAAAAAAAAAAAAAAFAAAADwAAAAAAAAAAAAAAAAAAAkUAAAAAQAAABQAAAAUAAAAFAAAAAEAAAAAAAAAZAAAAGQAAAAAAAAAZAAAAGQAAAAVAAAAYAAAAAAAAAAAAAAADwAAACADAAAAAAAAAAAAAAEAAACgMgAAVgcAAKr4//8BAAAAf39/AAEAAABkAAAAAAAAABQAAABAHwAAAAAAACYAAAAAAAAAwOD//wAAAAAmAAAAZAAAABYAAABMAAAAAAAAAAAAAAAEAAAAAAAAAAEAAADn5uYKAAAAACgAAAAoAAAAZAAAAGQAAAAAAAAAzMzMAAAAAABQAAAAUAAAAGQAAABkAAAAAAAAABcAAAAUAAAAAAAAAAAAAAD/fwAA/38AAAAAAAAJAAAABAAAAAAAAAAeAAAAaAAAAAAAAAAAAAAAAAAAAAAAAAAAAAAAECcAABAnAAAAAAAAAAAAAAAAAAAAAAAAAAAAAAAAAAAAAAAAAAAAABQAAAAAAAAAwMD/AAAAAABkAAAAMgAAAAAAAABkAAAAAAAAAH9/fwAKAAAAIgAAABgAAAAAAAAAAAAAAAAAAAAAAAAAAAAAAAAAAAAkAAAAJAAAAAAAAAAHAAAAAAAAAAAAAAAAAAAAAAAAAAAAAAAAAAAAf39/ACUAAABYAAAAAAAAAAAAAAAAAAAAAAAAAAAAAAAAAAAAAAAAAAAAAAAAAAAAAAAAAAAAAAA/AAAAAAAAAKCGAQAAAAAAAAAAAAAAAAAMAAAAAQAAAAAAAAAAAAAAAAAAAB8AAABUAAAAAAAABQAAAAEAAAAAAAAAAAAAAAAAAAAAAAAAAAAAAAAAAAAAAAAAAAAAAAJ/f38AAAAAA8zMzADAwP8Af39/AAAAAAAAAAAAAAAAAAAAAAAAAAAAIQAAABgAAAAUAAAAZTEAAKcWAAAhRwAAUiIAABAAAAAmAAAACAAAAD0gAAAAAAAA"/>
+                <pr:smNativeData xmlns="smNativeData" xmlns:pr="smNativeData" xmlns:p15="http://schemas.microsoft.com/office/powerpoint/2012/main" xmlns:p14="http://schemas.microsoft.com/office/powerpoint/2010/main" xmlns:mc="http://schemas.openxmlformats.org/markup-compatibility/2006" val="SMDATA_15_q5OGZBMAAAAlAAAAZAAAAA0AAAAAAAAAAAAAAAAAAAAAAAAAAAAAAAAAAAAAAAAAAAEAAABQAAAAAAAAAAAA4D8AAAAAAADgPwAAAAAAAOA/AAAAAAAA4D8AAAAAAADgPwAAAAAAAOA/AAAAAAAA4D8AAAAAAADgPwAAAAAAAOA/AAAAAAAA4D8CAAAAjAAAAAAAAAAAAAAARHLEDP///wgAAAAAAAAAAAAAAAAAAAAAAAAAAAAAAAAAAAAAZAAAAAEAAABAAAAAAAAAAAAAAAAAAAAAAAAAAAAAAAAAAAAAAAAAAAAAAAAAAAAAAAAAAAAAAAAAAAAAAAAAAAAAAAAAAAAAAAAAAAAAAAAAAAAAAAAAAAAAAAAAAAAAFAAAADwAAAAAAAAAAAAAAAAAAAkUAAAAAQAAABQAAAAUAAAAFAAAAAEAAAAAAAAAZAAAAGQAAAAAAAAAZAAAAGQAAAAVAAAAYAAAAAAAAAAAAAAADwAAACADAAAAAAAAAAAAAAEAAACgMgAAVgcAAKr4//8BAAAAf39/AAEAAABkAAAAAAAAABQAAABAHwAAAAAAACYAAAAAAAAAwOD//wAAAAAmAAAAZAAAABYAAABMAAAAAAAAAAAAAAAEAAAAAAAAAAEAAADn5uYKAAAAACgAAAAoAAAAZAAAAGQAAAAAAAAAzMzMAAAAAABQAAAAUAAAAGQAAABkAAAAAAAAABcAAAAUAAAAAAAAAAAAAAD/fwAA/38AAAAAAAAJAAAABAAAAAAAAAAeAAAAaAAAAAAAAAAAAAAAAAAAAAAAAAAAAAAAECcAABAnAAAAAAAAAAAAAAAAAAAAAAAAAAAAAAAAAAAAAAAAAAAAABQAAAAAAAAAwMD/AAAAAABkAAAAMgAAAAAAAABkAAAAAAAAAH9/fwAKAAAAIgAAABgAAAAAAAAAAAAAAAAAAAAAAAAAAAAAAAAAAAAkAAAAJAAAAAAAAAAHAAAAAAAAAAAAAAAAAAAAAAAAAAAAAAAAAAAAf39/ACUAAABYAAAAAAAAAAAAAAAAAAAAAAAAAAAAAAAAAAAAAAAAAAAAAAAAAAAAAAAAAAAAAAA/AAAAAAAAAKCGAQAAAAAAAAAAAAAAAAAMAAAAAQAAAAAAAAAAAAAAAAAAAB8AAABUAAAAAAAABQAAAAEAAAAAAAAAAAAAAAAAAAAAAAAAAAAAAAAAAAAAAAAAAAAAAAJ/f38AAAAAA8zMzADAwP8Af39/AAAAAAAAAAAAAAAAAAAAAAAAAAAAIQAAABgAAAAUAAAAZTEAAKcWAAAhRwAAUiIAABAAAAAmAAAACAAAAD0gAAAAAAAA"/>
               </a:ext>
             </a:extLst>
           </p:cNvSpPr>
@@ -5857,7 +5865,7 @@
 </file>
 
 <file path=ppt/slideLayouts/slideLayout5.xml><?xml version="1.0" encoding="utf-8"?>
-<p:sldLayout xmlns:p="http://schemas.openxmlformats.org/presentationml/2006/main" xmlns:mc="http://schemas.openxmlformats.org/markup-compatibility/2006" xmlns:p14="http://schemas.microsoft.com/office/powerpoint/2010/main" xmlns:p15="http://schemas.microsoft.com/office/powerpoint/2012/main" xmlns:r="http://schemas.openxmlformats.org/officeDocument/2006/relationships" xmlns:a="http://schemas.openxmlformats.org/drawingml/2006/main" type="titleOnly" preserve="1">
+<p:sldLayout xmlns:a="http://schemas.openxmlformats.org/drawingml/2006/main" xmlns:r="http://schemas.openxmlformats.org/officeDocument/2006/relationships" xmlns:p="http://schemas.openxmlformats.org/presentationml/2006/main" type="titleOnly" preserve="1">
   <p:cSld name="Title Only">
     <p:spTree>
       <p:nvGrpSpPr>
@@ -5880,7 +5888,7 @@
             <a:spLocks noGrp="1" noChangeArrowheads="1"/>
             <a:extLst>
               <a:ext uri="smNativeData">
-                <pr:smNativeData xmlns:pr="smNativeData" xmlns="smNativeData" val="SMDATA_15_q5OGZBMAAAAlAAAAZAAAAA0AAAAAAAAAAAAAAAAAAAAAAAAAAAAAAAABAAAAAAAAAAEAAABQAAAAAAAAAAAA4D8AAAAAAADgPwAAAAAAAOA/AAAAAAAA4D8AAAAAAADgPwAAAAAAAOA/AAAAAAAA4D8AAAAAAADgPwAAAAAAAOA/AAAAAAAA4D8CAAAAjAAAAAAAAAAAAAAARHLEDP///wgAAAAAAAAAAAAAAAAAAAAAAAAAAAAAAAAAAAAAZAAAAAEAAABAAAAAAAAAAAAAAAAAAAAAAAAAAAAAAAAAAAAAAAAAAAAAAAAAAAAAAAAAAAAAAAAAAAAAAAAAAAAAAAAAAAAAAAAAAAAAAAAAAAAAAAAAAAAAAAAAAAAAFAAAADwAAAAAAAAAAAAAAAAAAAkUAAAAAQAAABQAAAAUAAAAFAAAAAEAAAAAAAAAZAAAAGQAAAAAAAAAZAAAAGQAAAAVAAAAYAAAAAAAAAAAAAAADwAAACADAAAAAAAAAAAAAAEAAACgMgAAVgcAAKr4//8BAAAAf39/AAEAAABkAAAAAAAAABQAAABAHwAAAAAAACYAAAAAAAAAwOD//wAAAAAmAAAAZAAAABYAAABMAAAAAAAAAAAAAAAEAAAAAAAAAAEAAADn5uYKAAAAACgAAAAoAAAAZAAAAGQAAAAAAAAAzMzMAAAAAABQAAAAUAAAAGQAAABkAAAAAAAAABcAAAAUAAAAAAAAAAAAAAD/fwAA/38AAAAAAAAJAAAABAAAAAAAAAAeAAAAaAAAAAAAAAAAAAAAAAAAAAAAAAAAAAAAECcAABAnAAAAAAAAAAAAAAAAAAAAAAAAAAAAAAAAAAAAAAAAAAAAABQAAAAAAAAAwMD/AAAAAABkAAAAMgAAAAAAAABkAAAAAAAAAH9/fwAKAAAAIgAAABgAAAAAAAAAAAAAAAAAAAAAAAAAAAAAAAAAAAAkAAAAJAAAAAAAAAAHAAAAAAAAAAAAAAAAAAAAAAAAAAAAAAAAAAAAf39/ACUAAABYAAAAAAAAAAAAAAAAAAAAAAAAAAAAAAAAAAAAAAAAAAAAAAAAAAAAAAAAAAAAAAA/AAAAAAAAAKCGAQAAAAAAAAAAAAAAAAAMAAAAAQAAAAAAAAAAAAAAAAAAAB8AAABUAAAAAAAABQAAAAEAAAAAAAAAAAAAAAAAAAAAAAAAAAAAAAAAAAAAAAAAAAAAAAJ/f38AAAAAA8zMzADAwP8Af39/AAAAAAAAAAAAAAAAAAAAAAAAAAAAIQAAABgAAAAUAAAAwAMAAK8BAAA/RwAAuggAABAAAAAmAAAACAAAAD0gAAAAAAAA"/>
+                <pr:smNativeData xmlns="smNativeData" xmlns:pr="smNativeData" xmlns:p15="http://schemas.microsoft.com/office/powerpoint/2012/main" xmlns:p14="http://schemas.microsoft.com/office/powerpoint/2010/main" xmlns:mc="http://schemas.openxmlformats.org/markup-compatibility/2006" val="SMDATA_15_q5OGZBMAAAAlAAAAZAAAAA0AAAAAAAAAAAAAAAAAAAAAAAAAAAAAAAABAAAAAAAAAAEAAABQAAAAAAAAAAAA4D8AAAAAAADgPwAAAAAAAOA/AAAAAAAA4D8AAAAAAADgPwAAAAAAAOA/AAAAAAAA4D8AAAAAAADgPwAAAAAAAOA/AAAAAAAA4D8CAAAAjAAAAAAAAAAAAAAARHLEDP///wgAAAAAAAAAAAAAAAAAAAAAAAAAAAAAAAAAAAAAZAAAAAEAAABAAAAAAAAAAAAAAAAAAAAAAAAAAAAAAAAAAAAAAAAAAAAAAAAAAAAAAAAAAAAAAAAAAAAAAAAAAAAAAAAAAAAAAAAAAAAAAAAAAAAAAAAAAAAAAAAAAAAAFAAAADwAAAAAAAAAAAAAAAAAAAkUAAAAAQAAABQAAAAUAAAAFAAAAAEAAAAAAAAAZAAAAGQAAAAAAAAAZAAAAGQAAAAVAAAAYAAAAAAAAAAAAAAADwAAACADAAAAAAAAAAAAAAEAAACgMgAAVgcAAKr4//8BAAAAf39/AAEAAABkAAAAAAAAABQAAABAHwAAAAAAACYAAAAAAAAAwOD//wAAAAAmAAAAZAAAABYAAABMAAAAAAAAAAAAAAAEAAAAAAAAAAEAAADn5uYKAAAAACgAAAAoAAAAZAAAAGQAAAAAAAAAzMzMAAAAAABQAAAAUAAAAGQAAABkAAAAAAAAABcAAAAUAAAAAAAAAAAAAAD/fwAA/38AAAAAAAAJAAAABAAAAAAAAAAeAAAAaAAAAAAAAAAAAAAAAAAAAAAAAAAAAAAAECcAABAnAAAAAAAAAAAAAAAAAAAAAAAAAAAAAAAAAAAAAAAAAAAAABQAAAAAAAAAwMD/AAAAAABkAAAAMgAAAAAAAABkAAAAAAAAAH9/fwAKAAAAIgAAABgAAAAAAAAAAAAAAAAAAAAAAAAAAAAAAAAAAAAkAAAAJAAAAAAAAAAHAAAAAAAAAAAAAAAAAAAAAAAAAAAAAAAAAAAAf39/ACUAAABYAAAAAAAAAAAAAAAAAAAAAAAAAAAAAAAAAAAAAAAAAAAAAAAAAAAAAAAAAAAAAAA/AAAAAAAAAKCGAQAAAAAAAAAAAAAAAAAMAAAAAQAAAAAAAAAAAAAAAAAAAB8AAABUAAAAAAAABQAAAAEAAAAAAAAAAAAAAAAAAAAAAAAAAAAAAAAAAAAAAAAAAAAAAAJ/f38AAAAAA8zMzADAwP8Af39/AAAAAAAAAAAAAAAAAAAAAAAAAAAAIQAAABgAAAAUAAAAwAMAAK8BAAA/RwAAuggAABAAAAAmAAAACAAAAD0gAAAAAAAA"/>
               </a:ext>
             </a:extLst>
           </p:cNvSpPr>
@@ -5918,7 +5926,7 @@
 </file>
 
 <file path=ppt/slideLayouts/slideLayout6.xml><?xml version="1.0" encoding="utf-8"?>
-<p:sldLayout xmlns:p="http://schemas.openxmlformats.org/presentationml/2006/main" xmlns:mc="http://schemas.openxmlformats.org/markup-compatibility/2006" xmlns:p14="http://schemas.microsoft.com/office/powerpoint/2010/main" xmlns:p15="http://schemas.microsoft.com/office/powerpoint/2012/main" xmlns:r="http://schemas.openxmlformats.org/officeDocument/2006/relationships" xmlns:a="http://schemas.openxmlformats.org/drawingml/2006/main" type="objOnly" preserve="1">
+<p:sldLayout xmlns:a="http://schemas.openxmlformats.org/drawingml/2006/main" xmlns:r="http://schemas.openxmlformats.org/officeDocument/2006/relationships" xmlns:p="http://schemas.openxmlformats.org/presentationml/2006/main" type="objOnly" preserve="1">
   <p:cSld name="Centered Text">
     <p:spTree>
       <p:nvGrpSpPr>
@@ -5941,7 +5949,7 @@
             <a:spLocks noGrp="1" noChangeArrowheads="1"/>
             <a:extLst>
               <a:ext uri="smNativeData">
-                <pr:smNativeData xmlns:pr="smNativeData" xmlns="smNativeData" val="SMDATA_15_q5OGZBMAAAAlAAAAZAAAAA0AAAAAAAAAAAAAAAAAAAAAAAAAAAAAAAABAAAAAAAAAAEAAABQAAAAAAAAAAAA4D8AAAAAAADgPwAAAAAAAOA/AAAAAAAA4D8AAAAAAADgPwAAAAAAAOA/AAAAAAAA4D8AAAAAAADgPwAAAAAAAOA/AAAAAAAA4D8CAAAAjAAAAAAAAAAAAAAARHLEDP///wgAAAAAAAAAAAAAAAAAAAAAAAAAAAAAAAAAAAAAZAAAAAEAAABAAAAAAAAAAAAAAAAAAAAAAAAAAAAAAAAAAAAAAAAAAAAAAAAAAAAAAAAAAAAAAAAAAAAAAAAAAAAAAAAAAAAAAAAAAAAAAAAAAAAAAAAAAAAAAAAAAAAAFAAAADwAAAAAAAAAAAAAAAAAAAkUAAAAAQAAABQAAAAUAAAAFAAAAAEAAAAAAAAAZAAAAGQAAAAAAAAAZAAAAGQAAAAVAAAAYAAAAAAAAAAAAAAADwAAACADAAAAAAAAAAAAAAEAAACgMgAAVgcAAKr4//8BAAAAf39/AAEAAABkAAAAAAAAABQAAABAHwAAAAAAACYAAAAAAAAAwOD//wAAAAAmAAAAZAAAABYAAABMAAAAAAAAAAAAAAAEAAAAAAAAAAEAAADn5uYKAAAAACgAAAAoAAAAZAAAAGQAAAAAAAAAzMzMAAAAAABQAAAAUAAAAGQAAABkAAAAAAAAABcAAAAUAAAAAAAAAAAAAAD/fwAA/38AAAAAAAAJAAAABAAAAAAAAAAeAAAAaAAAAAAAAAAAAAAAAAAAAAAAAAAAAAAAECcAABAnAAAAAAAAAAAAAAAAAAAAAAAAAAAAAAAAAAAAAAAAAAAAABQAAAAAAAAAwMD/AAAAAABkAAAAMgAAAAAAAABkAAAAAAAAAH9/fwAKAAAAIgAAABgAAAAAAAAAAAAAAAAAAAAAAAAAAAAAAAAAAAAkAAAAJAAAAAAAAAAHAAAAAAAAAAAAAAAAAAAAAAAAAAAAAAAAAAAAf39/ACUAAABYAAAAAAAAAAAAAAAAAAAAAAAAAAAAAAAAAAAAAAAAAAAAAAAAAAAAAAAAAAAAAAA/AAAAAAAAAKCGAQAAAAAAAAAAAAAAAAAMAAAAAQAAAAAAAAAAAAAAAAAAAB8AAABUAAAAAAAABQAAAAEAAAAAAAAAAAAAAAAAAAAAAAAAAAAAAAAAAAAAAAAAAAAAAAJ/f38AAAAAA8zMzADAwP8Af39/AAAAAAAAAAAAAAAAAAAAAAAAAAAAIQAAABgAAAAUAAAAwAMAAK8BAAA/RwAAViIAABAAAAAmAAAACAAAAL0gAAAAAAAA"/>
+                <pr:smNativeData xmlns="smNativeData" xmlns:pr="smNativeData" xmlns:p15="http://schemas.microsoft.com/office/powerpoint/2012/main" xmlns:p14="http://schemas.microsoft.com/office/powerpoint/2010/main" xmlns:mc="http://schemas.openxmlformats.org/markup-compatibility/2006" val="SMDATA_15_q5OGZBMAAAAlAAAAZAAAAA0AAAAAAAAAAAAAAAAAAAAAAAAAAAAAAAABAAAAAAAAAAEAAABQAAAAAAAAAAAA4D8AAAAAAADgPwAAAAAAAOA/AAAAAAAA4D8AAAAAAADgPwAAAAAAAOA/AAAAAAAA4D8AAAAAAADgPwAAAAAAAOA/AAAAAAAA4D8CAAAAjAAAAAAAAAAAAAAARHLEDP///wgAAAAAAAAAAAAAAAAAAAAAAAAAAAAAAAAAAAAAZAAAAAEAAABAAAAAAAAAAAAAAAAAAAAAAAAAAAAAAAAAAAAAAAAAAAAAAAAAAAAAAAAAAAAAAAAAAAAAAAAAAAAAAAAAAAAAAAAAAAAAAAAAAAAAAAAAAAAAAAAAAAAAFAAAADwAAAAAAAAAAAAAAAAAAAkUAAAAAQAAABQAAAAUAAAAFAAAAAEAAAAAAAAAZAAAAGQAAAAAAAAAZAAAAGQAAAAVAAAAYAAAAAAAAAAAAAAADwAAACADAAAAAAAAAAAAAAEAAACgMgAAVgcAAKr4//8BAAAAf39/AAEAAABkAAAAAAAAABQAAABAHwAAAAAAACYAAAAAAAAAwOD//wAAAAAmAAAAZAAAABYAAABMAAAAAAAAAAAAAAAEAAAAAAAAAAEAAADn5uYKAAAAACgAAAAoAAAAZAAAAGQAAAAAAAAAzMzMAAAAAABQAAAAUAAAAGQAAABkAAAAAAAAABcAAAAUAAAAAAAAAAAAAAD/fwAA/38AAAAAAAAJAAAABAAAAAAAAAAeAAAAaAAAAAAAAAAAAAAAAAAAAAAAAAAAAAAAECcAABAnAAAAAAAAAAAAAAAAAAAAAAAAAAAAAAAAAAAAAAAAAAAAABQAAAAAAAAAwMD/AAAAAABkAAAAMgAAAAAAAABkAAAAAAAAAH9/fwAKAAAAIgAAABgAAAAAAAAAAAAAAAAAAAAAAAAAAAAAAAAAAAAkAAAAJAAAAAAAAAAHAAAAAAAAAAAAAAAAAAAAAAAAAAAAAAAAAAAAf39/ACUAAABYAAAAAAAAAAAAAAAAAAAAAAAAAAAAAAAAAAAAAAAAAAAAAAAAAAAAAAAAAAAAAAA/AAAAAAAAAKCGAQAAAAAAAAAAAAAAAAAMAAAAAQAAAAAAAAAAAAAAAAAAAB8AAABUAAAAAAAABQAAAAEAAAAAAAAAAAAAAAAAAAAAAAAAAAAAAAAAAAAAAAAAAAAAAAJ/f38AAAAAA8zMzADAwP8Af39/AAAAAAAAAAAAAAAAAAAAAAAAAAAAIQAAABgAAAAUAAAAwAMAAK8BAAA/RwAAViIAABAAAAAmAAAACAAAAL0gAAAAAAAA"/>
               </a:ext>
             </a:extLst>
           </p:cNvSpPr>
@@ -5979,7 +5987,7 @@
 </file>
 
 <file path=ppt/slideLayouts/slideLayout7.xml><?xml version="1.0" encoding="utf-8"?>
-<p:sldLayout xmlns:p="http://schemas.openxmlformats.org/presentationml/2006/main" xmlns:mc="http://schemas.openxmlformats.org/markup-compatibility/2006" xmlns:p14="http://schemas.microsoft.com/office/powerpoint/2010/main" xmlns:p15="http://schemas.microsoft.com/office/powerpoint/2012/main" xmlns:r="http://schemas.openxmlformats.org/officeDocument/2006/relationships" xmlns:a="http://schemas.openxmlformats.org/drawingml/2006/main" type="twoObjAndObj" preserve="1">
+<p:sldLayout xmlns:a="http://schemas.openxmlformats.org/drawingml/2006/main" xmlns:r="http://schemas.openxmlformats.org/officeDocument/2006/relationships" xmlns:p="http://schemas.openxmlformats.org/presentationml/2006/main" type="twoObjAndObj" preserve="1">
   <p:cSld name="Title, 2 Content and Content">
     <p:spTree>
       <p:nvGrpSpPr>
@@ -6002,7 +6010,7 @@
             <a:spLocks noGrp="1" noChangeArrowheads="1"/>
             <a:extLst>
               <a:ext uri="smNativeData">
-                <pr:smNativeData xmlns:pr="smNativeData" xmlns="smNativeData" val="SMDATA_15_q5OGZBMAAAAlAAAAZAAAAA0AAAAAAAAAAAAAAAAAAAAAAAAAAAAAAAABAAAAAAAAAAEAAABQAAAAAAAAAAAA4D8AAAAAAADgPwAAAAAAAOA/AAAAAAAA4D8AAAAAAADgPwAAAAAAAOA/AAAAAAAA4D8AAAAAAADgPwAAAAAAAOA/AAAAAAAA4D8CAAAAjAAAAAAAAAAAAAAARHLEDP///wgAAAAAAAAAAAAAAAAAAAAAAAAAAAAAAAAAAAAAZAAAAAEAAABAAAAAAAAAAAAAAAAAAAAAAAAAAAAAAAAAAAAAAAAAAAAAAAAAAAAAAAAAAAAAAAAAAAAAAAAAAAAAAAAAAAAAAAAAAAAAAAAAAAAAAAAAAAAAAAAAAAAAFAAAADwAAAAAAAAAAAAAAAAAAAkUAAAAAQAAABQAAAAUAAAAFAAAAAEAAAAAAAAAZAAAAGQAAAAAAAAAZAAAAGQAAAAVAAAAYAAAAAAAAAAAAAAADwAAACADAAAAAAAAAAAAAAEAAACgMgAAVgcAAKr4//8BAAAAf39/AAEAAABkAAAAAAAAABQAAABAHwAAAAAAACYAAAAAAAAAwOD//wAAAAAmAAAAZAAAABYAAABMAAAAAAAAAAAAAAAEAAAAAAAAAAEAAADn5uYKAAAAACgAAAAoAAAAZAAAAGQAAAAAAAAAzMzMAAAAAABQAAAAUAAAAGQAAABkAAAAAAAAABcAAAAUAAAAAAAAAAAAAAD/fwAA/38AAAAAAAAJAAAABAAAAAAAAAAeAAAAaAAAAAAAAAAAAAAAAAAAAAAAAAAAAAAAECcAABAnAAAAAAAAAAAAAAAAAAAAAAAAAAAAAAAAAAAAAAAAAAAAABQAAAAAAAAAwMD/AAAAAABkAAAAMgAAAAAAAABkAAAAAAAAAH9/fwAKAAAAIgAAABgAAAAAAAAAAAAAAAAAAAAAAAAAAAAAAAAAAAAkAAAAJAAAAAAAAAAHAAAAAAAAAAAAAAAAAAAAAAAAAAAAAAAAAAAAf39/ACUAAABYAAAAAAAAAAAAAAAAAAAAAAAAAAAAAAAAAAAAAAAAAAAAAAAAAAAAAAAAAAAAAAA/AAAAAAAAAKCGAQAAAAAAAAAAAAAAAAAMAAAAAQAAAAAAAAAAAAAAAAAAAB8AAABUAAAAAAAABQAAAAEAAAAAAAAAAAAAAAAAAAAAAAAAAAAAAAAAAAAAAAAAAAAAAAJ/f38AAAAAA8zMzADAwP8Af39/AAAAAAAAAAAAAAAAAAAAAAAAAAAAIQAAABgAAAAUAAAAwAMAAK8BAAA/RwAAuggAABAAAAAmAAAACAAAAD0gAAAAAAAA"/>
+                <pr:smNativeData xmlns="smNativeData" xmlns:pr="smNativeData" xmlns:p15="http://schemas.microsoft.com/office/powerpoint/2012/main" xmlns:p14="http://schemas.microsoft.com/office/powerpoint/2010/main" xmlns:mc="http://schemas.openxmlformats.org/markup-compatibility/2006" val="SMDATA_15_q5OGZBMAAAAlAAAAZAAAAA0AAAAAAAAAAAAAAAAAAAAAAAAAAAAAAAABAAAAAAAAAAEAAABQAAAAAAAAAAAA4D8AAAAAAADgPwAAAAAAAOA/AAAAAAAA4D8AAAAAAADgPwAAAAAAAOA/AAAAAAAA4D8AAAAAAADgPwAAAAAAAOA/AAAAAAAA4D8CAAAAjAAAAAAAAAAAAAAARHLEDP///wgAAAAAAAAAAAAAAAAAAAAAAAAAAAAAAAAAAAAAZAAAAAEAAABAAAAAAAAAAAAAAAAAAAAAAAAAAAAAAAAAAAAAAAAAAAAAAAAAAAAAAAAAAAAAAAAAAAAAAAAAAAAAAAAAAAAAAAAAAAAAAAAAAAAAAAAAAAAAAAAAAAAAFAAAADwAAAAAAAAAAAAAAAAAAAkUAAAAAQAAABQAAAAUAAAAFAAAAAEAAAAAAAAAZAAAAGQAAAAAAAAAZAAAAGQAAAAVAAAAYAAAAAAAAAAAAAAADwAAACADAAAAAAAAAAAAAAEAAACgMgAAVgcAAKr4//8BAAAAf39/AAEAAABkAAAAAAAAABQAAABAHwAAAAAAACYAAAAAAAAAwOD//wAAAAAmAAAAZAAAABYAAABMAAAAAAAAAAAAAAAEAAAAAAAAAAEAAADn5uYKAAAAACgAAAAoAAAAZAAAAGQAAAAAAAAAzMzMAAAAAABQAAAAUAAAAGQAAABkAAAAAAAAABcAAAAUAAAAAAAAAAAAAAD/fwAA/38AAAAAAAAJAAAABAAAAAAAAAAeAAAAaAAAAAAAAAAAAAAAAAAAAAAAAAAAAAAAECcAABAnAAAAAAAAAAAAAAAAAAAAAAAAAAAAAAAAAAAAAAAAAAAAABQAAAAAAAAAwMD/AAAAAABkAAAAMgAAAAAAAABkAAAAAAAAAH9/fwAKAAAAIgAAABgAAAAAAAAAAAAAAAAAAAAAAAAAAAAAAAAAAAAkAAAAJAAAAAAAAAAHAAAAAAAAAAAAAAAAAAAAAAAAAAAAAAAAAAAAf39/ACUAAABYAAAAAAAAAAAAAAAAAAAAAAAAAAAAAAAAAAAAAAAAAAAAAAAAAAAAAAAAAAAAAAA/AAAAAAAAAKCGAQAAAAAAAAAAAAAAAAAMAAAAAQAAAAAAAAAAAAAAAAAAAB8AAABUAAAAAAAABQAAAAEAAAAAAAAAAAAAAAAAAAAAAAAAAAAAAAAAAAAAAAAAAAAAAAJ/f38AAAAAA8zMzADAwP8Af39/AAAAAAAAAAAAAAAAAAAAAAAAAAAAIQAAABgAAAAUAAAAwAMAAK8BAAA/RwAAuggAABAAAAAmAAAACAAAAD0gAAAAAAAA"/>
               </a:ext>
             </a:extLst>
           </p:cNvSpPr>
@@ -6038,7 +6046,7 @@
             <a:spLocks noGrp="1" noChangeArrowheads="1"/>
             <a:extLst>
               <a:ext uri="smNativeData">
-                <pr:smNativeData xmlns:pr="smNativeData" xmlns="smNativeData" val="SMDATA_15_q5OGZBMAAAAlAAAAZAAAAA0AAAAAAAAAAAAAAAAAAAAAAAAAAAAAAAAAAAAAAAAAAAEAAABQAAAAAAAAAAAA4D8AAAAAAADgPwAAAAAAAOA/AAAAAAAA4D8AAAAAAADgPwAAAAAAAOA/AAAAAAAA4D8AAAAAAADgPwAAAAAAAOA/AAAAAAAA4D8CAAAAjAAAAAAAAAAAAAAARHLEDP///wgAAAAAAAAAAAAAAAAAAAAAAAAAAAAAAAAAAAAAZAAAAAEAAABAAAAAAAAAAAAAAAAAAAAAAAAAAAAAAAAAAAAAAAAAAAAAAAAAAAAAAAAAAAAAAAAAAAAAAAAAAAAAAAAAAAAAAAAAAAAAAAAAAAAAAAAAAAAAAAAAAAAAFAAAADwAAAAAAAAAAAAAAAAAAAkUAAAAAQAAABQAAAAUAAAAFAAAAAEAAAAAAAAAZAAAAGQAAAAAAAAAZAAAAGQAAAAVAAAAYAAAAAAAAAAAAAAADwAAACADAAAAAAAAAAAAAAEAAACgMgAAVgcAAKr4//8BAAAAf39/AAEAAABkAAAAAAAAABQAAABAHwAAAAAAACYAAAAAAAAAwOD//wAAAAAmAAAAZAAAABYAAABMAAAAAAAAAAAAAAAEAAAAAAAAAAEAAADn5uYKAAAAACgAAAAoAAAAZAAAAGQAAAAAAAAAzMzMAAAAAABQAAAAUAAAAGQAAABkAAAAAAAAABcAAAAUAAAAAAAAAAAAAAD/fwAA/38AAAAAAAAJAAAABAAAAAAAAAAeAAAAaAAAAAAAAAAAAAAAAAAAAAAAAAAAAAAAECcAABAnAAAAAAAAAAAAAAAAAAAAAAAAAAAAAAAAAAAAAAAAAAAAABQAAAAAAAAAwMD/AAAAAABkAAAAMgAAAAAAAABkAAAAAAAAAH9/fwAKAAAAIgAAABgAAAAAAAAAAAAAAAAAAAAAAAAAAAAAAAAAAAAkAAAAJAAAAAAAAAAHAAAAAAAAAAAAAAAAAAAAAAAAAAAAAAAAAAAAf39/ACUAAABYAAAAAAAAAAAAAAAAAAAAAAAAAAAAAAAAAAAAAAAAAAAAAAAAAAAAAAAAAAAAAAA/AAAAAAAAAKCGAQAAAAAAAAAAAAAAAAAMAAAAAQAAAAAAAAAAAAAAAAAAAB8AAABUAAAAAAAABQAAAAEAAAAAAAAAAAAAAAAAAAAAAAAAAAAAAAAAAAAAAAAAAAAAAAJ/f38AAAAAA8zMzADAwP8Af39/AAAAAAAAAAAAAAAAAAAAAAAAAAAAIQAAABgAAAAUAAAAwAMAAN8JAACwJAAAihUAABAAAAAmAAAACAAAAD0gAAAAAAAA"/>
+                <pr:smNativeData xmlns="smNativeData" xmlns:pr="smNativeData" xmlns:p15="http://schemas.microsoft.com/office/powerpoint/2012/main" xmlns:p14="http://schemas.microsoft.com/office/powerpoint/2010/main" xmlns:mc="http://schemas.openxmlformats.org/markup-compatibility/2006" val="SMDATA_15_q5OGZBMAAAAlAAAAZAAAAA0AAAAAAAAAAAAAAAAAAAAAAAAAAAAAAAAAAAAAAAAAAAEAAABQAAAAAAAAAAAA4D8AAAAAAADgPwAAAAAAAOA/AAAAAAAA4D8AAAAAAADgPwAAAAAAAOA/AAAAAAAA4D8AAAAAAADgPwAAAAAAAOA/AAAAAAAA4D8CAAAAjAAAAAAAAAAAAAAARHLEDP///wgAAAAAAAAAAAAAAAAAAAAAAAAAAAAAAAAAAAAAZAAAAAEAAABAAAAAAAAAAAAAAAAAAAAAAAAAAAAAAAAAAAAAAAAAAAAAAAAAAAAAAAAAAAAAAAAAAAAAAAAAAAAAAAAAAAAAAAAAAAAAAAAAAAAAAAAAAAAAAAAAAAAAFAAAADwAAAAAAAAAAAAAAAAAAAkUAAAAAQAAABQAAAAUAAAAFAAAAAEAAAAAAAAAZAAAAGQAAAAAAAAAZAAAAGQAAAAVAAAAYAAAAAAAAAAAAAAADwAAACADAAAAAAAAAAAAAAEAAACgMgAAVgcAAKr4//8BAAAAf39/AAEAAABkAAAAAAAAABQAAABAHwAAAAAAACYAAAAAAAAAwOD//wAAAAAmAAAAZAAAABYAAABMAAAAAAAAAAAAAAAEAAAAAAAAAAEAAADn5uYKAAAAACgAAAAoAAAAZAAAAGQAAAAAAAAAzMzMAAAAAABQAAAAUAAAAGQAAABkAAAAAAAAABcAAAAUAAAAAAAAAAAAAAD/fwAA/38AAAAAAAAJAAAABAAAAAAAAAAeAAAAaAAAAAAAAAAAAAAAAAAAAAAAAAAAAAAAECcAABAnAAAAAAAAAAAAAAAAAAAAAAAAAAAAAAAAAAAAAAAAAAAAABQAAAAAAAAAwMD/AAAAAABkAAAAMgAAAAAAAABkAAAAAAAAAH9/fwAKAAAAIgAAABgAAAAAAAAAAAAAAAAAAAAAAAAAAAAAAAAAAAAkAAAAJAAAAAAAAAAHAAAAAAAAAAAAAAAAAAAAAAAAAAAAAAAAAAAAf39/ACUAAABYAAAAAAAAAAAAAAAAAAAAAAAAAAAAAAAAAAAAAAAAAAAAAAAAAAAAAAAAAAAAAAA/AAAAAAAAAKCGAQAAAAAAAAAAAAAAAAAMAAAAAQAAAAAAAAAAAAAAAAAAAB8AAABUAAAAAAAABQAAAAEAAAAAAAAAAAAAAAAAAAAAAAAAAAAAAAAAAAAAAAAAAAAAAAJ/f38AAAAAA8zMzADAwP8Af39/AAAAAAAAAAAAAAAAAAAAAAAAAAAAIQAAABgAAAAUAAAAwAMAAN8JAACwJAAAihUAABAAAAAmAAAACAAAAD0gAAAAAAAA"/>
               </a:ext>
             </a:extLst>
           </p:cNvSpPr>
@@ -6074,7 +6082,7 @@
             <a:spLocks noGrp="1" noChangeArrowheads="1"/>
             <a:extLst>
               <a:ext uri="smNativeData">
-                <pr:smNativeData xmlns:pr="smNativeData" xmlns="smNativeData" val="SMDATA_15_q5OGZBMAAAAlAAAAZAAAAA0AAAAAAAAAAAAAAAAAAAAAAAAAAAAAAAAAAAAAAAAAAAEAAABQAAAAAAAAAAAA4D8AAAAAAADgPwAAAAAAAOA/AAAAAAAA4D8AAAAAAADgPwAAAAAAAOA/AAAAAAAA4D8AAAAAAADgPwAAAAAAAOA/AAAAAAAA4D8CAAAAjAAAAAAAAAAAAAAARHLEDP///wgAAAAAAAAAAAAAAAAAAAAAAAAAAAAAAAAAAAAAZAAAAAEAAABAAAAAAAAAAAAAAAAAAAAAAAAAAAAAAAAAAAAAAAAAAAAAAAAAAAAAAAAAAAAAAAAAAAAAAAAAAAAAAAAAAAAAAAAAAAAAAAAAAAAAAAAAAAAAAAAAAAAAFAAAADwAAAAAAAAAAAAAAAAAAAkUAAAAAQAAABQAAAAUAAAAFAAAAAEAAAAAAAAAZAAAAGQAAAAAAAAAZAAAAGQAAAAVAAAAYAAAAAAAAAAAAAAADwAAACADAAAAAAAAAAAAAAEAAACgMgAAVgcAAKr4//8BAAAAf39/AAEAAABkAAAAAAAAABQAAABAHwAAAAAAACYAAAAAAAAAwOD//wAAAAAmAAAAZAAAABYAAABMAAAAAAAAAAAAAAAEAAAAAAAAAAEAAADn5uYKAAAAACgAAAAoAAAAZAAAAGQAAAAAAAAAzMzMAAAAAABQAAAAUAAAAGQAAABkAAAAAAAAABcAAAAUAAAAAAAAAAAAAAD/fwAA/38AAAAAAAAJAAAABAAAAAAAAAAeAAAAaAAAAAAAAAAAAAAAAAAAAAAAAAAAAAAAECcAABAnAAAAAAAAAAAAAAAAAAAAAAAAAAAAAAAAAAAAAAAAAAAAABQAAAAAAAAAwMD/AAAAAABkAAAAMgAAAAAAAABkAAAAAAAAAH9/fwAKAAAAIgAAABgAAAAAAAAAAAAAAAAAAAAAAAAAAAAAAAAAAAAkAAAAJAAAAAAAAAAHAAAAAAAAAAAAAAAAAAAAAAAAAAAAAAAAAAAAf39/ACUAAABYAAAAAAAAAAAAAAAAAAAAAAAAAAAAAAAAAAAAAAAAAAAAAAAAAAAAAAAAAAAAAAA/AAAAAAAAAKCGAQAAAAAAAAAAAAAAAAAMAAAAAQAAAAAAAAAAAAAAAAAAAB8AAABUAAAAAAAABQAAAAEAAAAAAAAAAAAAAAAAAAAAAAAAAAAAAAAAAAAAAAAAAAAAAAJ/f38AAAAAA8zMzADAwP8Af39/AAAAAAAAAAAAAAAAAAAAAAAAAAAAIQAAABgAAAAUAAAAViYAAN8JAABGRwAAViIAABAAAAAmAAAACAAAAD0gAAAAAAAA"/>
+                <pr:smNativeData xmlns="smNativeData" xmlns:pr="smNativeData" xmlns:p15="http://schemas.microsoft.com/office/powerpoint/2012/main" xmlns:p14="http://schemas.microsoft.com/office/powerpoint/2010/main" xmlns:mc="http://schemas.openxmlformats.org/markup-compatibility/2006" val="SMDATA_15_q5OGZBMAAAAlAAAAZAAAAA0AAAAAAAAAAAAAAAAAAAAAAAAAAAAAAAAAAAAAAAAAAAEAAABQAAAAAAAAAAAA4D8AAAAAAADgPwAAAAAAAOA/AAAAAAAA4D8AAAAAAADgPwAAAAAAAOA/AAAAAAAA4D8AAAAAAADgPwAAAAAAAOA/AAAAAAAA4D8CAAAAjAAAAAAAAAAAAAAARHLEDP///wgAAAAAAAAAAAAAAAAAAAAAAAAAAAAAAAAAAAAAZAAAAAEAAABAAAAAAAAAAAAAAAAAAAAAAAAAAAAAAAAAAAAAAAAAAAAAAAAAAAAAAAAAAAAAAAAAAAAAAAAAAAAAAAAAAAAAAAAAAAAAAAAAAAAAAAAAAAAAAAAAAAAAFAAAADwAAAAAAAAAAAAAAAAAAAkUAAAAAQAAABQAAAAUAAAAFAAAAAEAAAAAAAAAZAAAAGQAAAAAAAAAZAAAAGQAAAAVAAAAYAAAAAAAAAAAAAAADwAAACADAAAAAAAAAAAAAAEAAACgMgAAVgcAAKr4//8BAAAAf39/AAEAAABkAAAAAAAAABQAAABAHwAAAAAAACYAAAAAAAAAwOD//wAAAAAmAAAAZAAAABYAAABMAAAAAAAAAAAAAAAEAAAAAAAAAAEAAADn5uYKAAAAACgAAAAoAAAAZAAAAGQAAAAAAAAAzMzMAAAAAABQAAAAUAAAAGQAAABkAAAAAAAAABcAAAAUAAAAAAAAAAAAAAD/fwAA/38AAAAAAAAJAAAABAAAAAAAAAAeAAAAaAAAAAAAAAAAAAAAAAAAAAAAAAAAAAAAECcAABAnAAAAAAAAAAAAAAAAAAAAAAAAAAAAAAAAAAAAAAAAAAAAABQAAAAAAAAAwMD/AAAAAABkAAAAMgAAAAAAAABkAAAAAAAAAH9/fwAKAAAAIgAAABgAAAAAAAAAAAAAAAAAAAAAAAAAAAAAAAAAAAAkAAAAJAAAAAAAAAAHAAAAAAAAAAAAAAAAAAAAAAAAAAAAAAAAAAAAf39/ACUAAABYAAAAAAAAAAAAAAAAAAAAAAAAAAAAAAAAAAAAAAAAAAAAAAAAAAAAAAAAAAAAAAA/AAAAAAAAAKCGAQAAAAAAAAAAAAAAAAAMAAAAAQAAAAAAAAAAAAAAAAAAAB8AAABUAAAAAAAABQAAAAEAAAAAAAAAAAAAAAAAAAAAAAAAAAAAAAAAAAAAAAAAAAAAAAJ/f38AAAAAA8zMzADAwP8Af39/AAAAAAAAAAAAAAAAAAAAAAAAAAAAIQAAABgAAAAUAAAAViYAAN8JAABGRwAAViIAABAAAAAmAAAACAAAAD0gAAAAAAAA"/>
               </a:ext>
             </a:extLst>
           </p:cNvSpPr>
@@ -6110,7 +6118,7 @@
             <a:spLocks noGrp="1" noChangeArrowheads="1"/>
             <a:extLst>
               <a:ext uri="smNativeData">
-                <pr:smNativeData xmlns:pr="smNativeData" xmlns="smNativeData" val="SMDATA_15_q5OGZBMAAAAlAAAAZAAAAA0AAAAAAAAAAAAAAAAAAAAAAAAAAAAAAAAAAAAAAAAAAAEAAABQAAAAAAAAAAAA4D8AAAAAAADgPwAAAAAAAOA/AAAAAAAA4D8AAAAAAADgPwAAAAAAAOA/AAAAAAAA4D8AAAAAAADgPwAAAAAAAOA/AAAAAAAA4D8CAAAAjAAAAAAAAAAAAAAARHLEDP///wgAAAAAAAAAAAAAAAAAAAAAAAAAAAAAAAAAAAAAZAAAAAEAAABAAAAAAAAAAAAAAAAAAAAAAAAAAAAAAAAAAAAAAAAAAAAAAAAAAAAAAAAAAAAAAAAAAAAAAAAAAAAAAAAAAAAAAAAAAAAAAAAAAAAAAAAAAAAAAAAAAAAAFAAAADwAAAAAAAAAAAAAAAAAAAkUAAAAAQAAABQAAAAUAAAAFAAAAAEAAAAAAAAAZAAAAGQAAAAAAAAAZAAAAGQAAAAVAAAAYAAAAAAAAAAAAAAADwAAACADAAAAAAAAAAAAAAEAAACgMgAAVgcAAKr4//8BAAAAf39/AAEAAABkAAAAAAAAABQAAABAHwAAAAAAACYAAAAAAAAAwOD//wAAAAAmAAAAZAAAABYAAABMAAAAAAAAAAAAAAAEAAAAAAAAAAEAAADn5uYKAAAAACgAAAAoAAAAZAAAAGQAAAAAAAAAzMzMAAAAAABQAAAAUAAAAGQAAABkAAAAAAAAABcAAAAUAAAAAAAAAAAAAAD/fwAA/38AAAAAAAAJAAAABAAAAAAAAAAeAAAAaAAAAAAAAAAAAAAAAAAAAAAAAAAAAAAAECcAABAnAAAAAAAAAAAAAAAAAAAAAAAAAAAAAAAAAAAAAAAAAAAAABQAAAAAAAAAwMD/AAAAAABkAAAAMgAAAAAAAABkAAAAAAAAAH9/fwAKAAAAIgAAABgAAAAAAAAAAAAAAAAAAAAAAAAAAAAAAAAAAAAkAAAAJAAAAAAAAAAHAAAAAAAAAAAAAAAAAAAAAAAAAAAAAAAAAAAAf39/ACUAAABYAAAAAAAAAAAAAAAAAAAAAAAAAAAAAAAAAAAAAAAAAAAAAAAAAAAAAAAAAAAAAAA/AAAAAAAAAKCGAQAAAAAAAAAAAAAAAAAMAAAAAQAAAAAAAAAAAAAAAAAAAB8AAABUAAAAAAAABQAAAAEAAAAAAAAAAAAAAAAAAAAAAAAAAAAAAAAAAAAAAAAAAAAAAAJ/f38AAAAAA8zMzADAwP8Af39/AAAAAAAAAAAAAAAAAAAAAAAAAAAAIQAAABgAAAAUAAAAwAMAAKcWAACwJAAAUiIAABAAAAAmAAAACAAAAD0gAAAAAAAA"/>
+                <pr:smNativeData xmlns="smNativeData" xmlns:pr="smNativeData" xmlns:p15="http://schemas.microsoft.com/office/powerpoint/2012/main" xmlns:p14="http://schemas.microsoft.com/office/powerpoint/2010/main" xmlns:mc="http://schemas.openxmlformats.org/markup-compatibility/2006" val="SMDATA_15_q5OGZBMAAAAlAAAAZAAAAA0AAAAAAAAAAAAAAAAAAAAAAAAAAAAAAAAAAAAAAAAAAAEAAABQAAAAAAAAAAAA4D8AAAAAAADgPwAAAAAAAOA/AAAAAAAA4D8AAAAAAADgPwAAAAAAAOA/AAAAAAAA4D8AAAAAAADgPwAAAAAAAOA/AAAAAAAA4D8CAAAAjAAAAAAAAAAAAAAARHLEDP///wgAAAAAAAAAAAAAAAAAAAAAAAAAAAAAAAAAAAAAZAAAAAEAAABAAAAAAAAAAAAAAAAAAAAAAAAAAAAAAAAAAAAAAAAAAAAAAAAAAAAAAAAAAAAAAAAAAAAAAAAAAAAAAAAAAAAAAAAAAAAAAAAAAAAAAAAAAAAAAAAAAAAAFAAAADwAAAAAAAAAAAAAAAAAAAkUAAAAAQAAABQAAAAUAAAAFAAAAAEAAAAAAAAAZAAAAGQAAAAAAAAAZAAAAGQAAAAVAAAAYAAAAAAAAAAAAAAADwAAACADAAAAAAAAAAAAAAEAAACgMgAAVgcAAKr4//8BAAAAf39/AAEAAABkAAAAAAAAABQAAABAHwAAAAAAACYAAAAAAAAAwOD//wAAAAAmAAAAZAAAABYAAABMAAAAAAAAAAAAAAAEAAAAAAAAAAEAAADn5uYKAAAAACgAAAAoAAAAZAAAAGQAAAAAAAAAzMzMAAAAAABQAAAAUAAAAGQAAABkAAAAAAAAABcAAAAUAAAAAAAAAAAAAAD/fwAA/38AAAAAAAAJAAAABAAAAAAAAAAeAAAAaAAAAAAAAAAAAAAAAAAAAAAAAAAAAAAAECcAABAnAAAAAAAAAAAAAAAAAAAAAAAAAAAAAAAAAAAAAAAAAAAAABQAAAAAAAAAwMD/AAAAAABkAAAAMgAAAAAAAABkAAAAAAAAAH9/fwAKAAAAIgAAABgAAAAAAAAAAAAAAAAAAAAAAAAAAAAAAAAAAAAkAAAAJAAAAAAAAAAHAAAAAAAAAAAAAAAAAAAAAAAAAAAAAAAAAAAAf39/ACUAAABYAAAAAAAAAAAAAAAAAAAAAAAAAAAAAAAAAAAAAAAAAAAAAAAAAAAAAAAAAAAAAAA/AAAAAAAAAKCGAQAAAAAAAAAAAAAAAAAMAAAAAQAAAAAAAAAAAAAAAAAAAB8AAABUAAAAAAAABQAAAAEAAAAAAAAAAAAAAAAAAAAAAAAAAAAAAAAAAAAAAAAAAAAAAAJ/f38AAAAAA8zMzADAwP8Af39/AAAAAAAAAAAAAAAAAAAAAAAAAAAAIQAAABgAAAAUAAAAwAMAAKcWAACwJAAAUiIAABAAAAAmAAAACAAAAD0gAAAAAAAA"/>
               </a:ext>
             </a:extLst>
           </p:cNvSpPr>
@@ -6148,7 +6156,7 @@
 </file>
 
 <file path=ppt/slideLayouts/slideLayout8.xml><?xml version="1.0" encoding="utf-8"?>
-<p:sldLayout xmlns:p="http://schemas.openxmlformats.org/presentationml/2006/main" xmlns:mc="http://schemas.openxmlformats.org/markup-compatibility/2006" xmlns:p14="http://schemas.microsoft.com/office/powerpoint/2010/main" xmlns:p15="http://schemas.microsoft.com/office/powerpoint/2012/main" xmlns:r="http://schemas.openxmlformats.org/officeDocument/2006/relationships" xmlns:a="http://schemas.openxmlformats.org/drawingml/2006/main" type="objAndTwoObj" preserve="1">
+<p:sldLayout xmlns:a="http://schemas.openxmlformats.org/drawingml/2006/main" xmlns:r="http://schemas.openxmlformats.org/officeDocument/2006/relationships" xmlns:p="http://schemas.openxmlformats.org/presentationml/2006/main" type="objAndTwoObj" preserve="1">
   <p:cSld name="Title Content and 2 Content">
     <p:spTree>
       <p:nvGrpSpPr>
@@ -6171,7 +6179,7 @@
             <a:spLocks noGrp="1" noChangeArrowheads="1"/>
             <a:extLst>
               <a:ext uri="smNativeData">
-                <pr:smNativeData xmlns:pr="smNativeData" xmlns="smNativeData" val="SMDATA_15_q5OGZBMAAAAlAAAAZAAAAA0AAAAAAAAAAAAAAAAAAAAAAAAAAAAAAAABAAAAAAAAAAEAAABQAAAAAAAAAAAA4D8AAAAAAADgPwAAAAAAAOA/AAAAAAAA4D8AAAAAAADgPwAAAAAAAOA/AAAAAAAA4D8AAAAAAADgPwAAAAAAAOA/AAAAAAAA4D8CAAAAjAAAAAAAAAAAAAAARHLEDP///wgAAAAAAAAAAAAAAAAAAAAAAAAAAAAAAAAAAAAAZAAAAAEAAABAAAAAAAAAAAAAAAAAAAAAAAAAAAAAAAAAAAAAAAAAAAAAAAAAAAAAAAAAAAAAAAAAAAAAAAAAAAAAAAAAAAAAAAAAAAAAAAAAAAAAAAAAAAAAAAAAAAAAFAAAADwAAAAAAAAAAAAAAAAAAAkUAAAAAQAAABQAAAAUAAAAFAAAAAEAAAAAAAAAZAAAAGQAAAAAAAAAZAAAAGQAAAAVAAAAYAAAAAAAAAAAAAAADwAAACADAAAAAAAAAAAAAAEAAACgMgAAVgcAAKr4//8BAAAAf39/AAEAAABkAAAAAAAAABQAAABAHwAAAAAAACYAAAAAAAAAwOD//wAAAAAmAAAAZAAAABYAAABMAAAAAAAAAAAAAAAEAAAAAAAAAAEAAADn5uYKAAAAACgAAAAoAAAAZAAAAGQAAAAAAAAAzMzMAAAAAABQAAAAUAAAAGQAAABkAAAAAAAAABcAAAAUAAAAAAAAAAAAAAD/fwAA/38AAAAAAAAJAAAABAAAAAAAAAAeAAAAaAAAAAAAAAAAAAAAAAAAAAAAAAAAAAAAECcAABAnAAAAAAAAAAAAAAAAAAAAAAAAAAAAAAAAAAAAAAAAAAAAABQAAAAAAAAAwMD/AAAAAABkAAAAMgAAAAAAAABkAAAAAAAAAH9/fwAKAAAAIgAAABgAAAAAAAAAAAAAAAAAAAAAAAAAAAAAAAAAAAAkAAAAJAAAAAAAAAAHAAAAAAAAAAAAAAAAAAAAAAAAAAAAAAAAAAAAf39/ACUAAABYAAAAAAAAAAAAAAAAAAAAAAAAAAAAAAAAAAAAAAAAAAAAAAAAAAAAAAAAAAAAAAA/AAAAAAAAAKCGAQAAAAAAAAAAAAAAAAAMAAAAAQAAAAAAAAAAAAAAAAAAAB8AAABUAAAAAAAABQAAAAEAAAAAAAAAAAAAAAAAAAAAAAAAAAAAAAAAAAAAAAAAAAAAAAJ/f38AAAAAA8zMzADAwP8Af39/AAAAAAAAAAAAAAAAAAAAAAAAAAAAIQAAABgAAAAUAAAAwAMAAK8BAAA/RwAAuggAABAAAAAmAAAACAAAAD0gAAAAAAAA"/>
+                <pr:smNativeData xmlns="smNativeData" xmlns:pr="smNativeData" xmlns:p15="http://schemas.microsoft.com/office/powerpoint/2012/main" xmlns:p14="http://schemas.microsoft.com/office/powerpoint/2010/main" xmlns:mc="http://schemas.openxmlformats.org/markup-compatibility/2006" val="SMDATA_15_q5OGZBMAAAAlAAAAZAAAAA0AAAAAAAAAAAAAAAAAAAAAAAAAAAAAAAABAAAAAAAAAAEAAABQAAAAAAAAAAAA4D8AAAAAAADgPwAAAAAAAOA/AAAAAAAA4D8AAAAAAADgPwAAAAAAAOA/AAAAAAAA4D8AAAAAAADgPwAAAAAAAOA/AAAAAAAA4D8CAAAAjAAAAAAAAAAAAAAARHLEDP///wgAAAAAAAAAAAAAAAAAAAAAAAAAAAAAAAAAAAAAZAAAAAEAAABAAAAAAAAAAAAAAAAAAAAAAAAAAAAAAAAAAAAAAAAAAAAAAAAAAAAAAAAAAAAAAAAAAAAAAAAAAAAAAAAAAAAAAAAAAAAAAAAAAAAAAAAAAAAAAAAAAAAAFAAAADwAAAAAAAAAAAAAAAAAAAkUAAAAAQAAABQAAAAUAAAAFAAAAAEAAAAAAAAAZAAAAGQAAAAAAAAAZAAAAGQAAAAVAAAAYAAAAAAAAAAAAAAADwAAACADAAAAAAAAAAAAAAEAAACgMgAAVgcAAKr4//8BAAAAf39/AAEAAABkAAAAAAAAABQAAABAHwAAAAAAACYAAAAAAAAAwOD//wAAAAAmAAAAZAAAABYAAABMAAAAAAAAAAAAAAAEAAAAAAAAAAEAAADn5uYKAAAAACgAAAAoAAAAZAAAAGQAAAAAAAAAzMzMAAAAAABQAAAAUAAAAGQAAABkAAAAAAAAABcAAAAUAAAAAAAAAAAAAAD/fwAA/38AAAAAAAAJAAAABAAAAAAAAAAeAAAAaAAAAAAAAAAAAAAAAAAAAAAAAAAAAAAAECcAABAnAAAAAAAAAAAAAAAAAAAAAAAAAAAAAAAAAAAAAAAAAAAAABQAAAAAAAAAwMD/AAAAAABkAAAAMgAAAAAAAABkAAAAAAAAAH9/fwAKAAAAIgAAABgAAAAAAAAAAAAAAAAAAAAAAAAAAAAAAAAAAAAkAAAAJAAAAAAAAAAHAAAAAAAAAAAAAAAAAAAAAAAAAAAAAAAAAAAAf39/ACUAAABYAAAAAAAAAAAAAAAAAAAAAAAAAAAAAAAAAAAAAAAAAAAAAAAAAAAAAAAAAAAAAAA/AAAAAAAAAKCGAQAAAAAAAAAAAAAAAAAMAAAAAQAAAAAAAAAAAAAAAAAAAB8AAABUAAAAAAAABQAAAAEAAAAAAAAAAAAAAAAAAAAAAAAAAAAAAAAAAAAAAAAAAAAAAAJ/f38AAAAAA8zMzADAwP8Af39/AAAAAAAAAAAAAAAAAAAAAAAAAAAAIQAAABgAAAAUAAAAwAMAAK8BAAA/RwAAuggAABAAAAAmAAAACAAAAD0gAAAAAAAA"/>
               </a:ext>
             </a:extLst>
           </p:cNvSpPr>
@@ -6207,7 +6215,7 @@
             <a:spLocks noGrp="1" noChangeArrowheads="1"/>
             <a:extLst>
               <a:ext uri="smNativeData">
-                <pr:smNativeData xmlns:pr="smNativeData" xmlns="smNativeData" val="SMDATA_15_q5OGZBMAAAAlAAAAZAAAAA0AAAAAAAAAAAAAAAAAAAAAAAAAAAAAAAAAAAAAAAAAAAEAAABQAAAAAAAAAAAA4D8AAAAAAADgPwAAAAAAAOA/AAAAAAAA4D8AAAAAAADgPwAAAAAAAOA/AAAAAAAA4D8AAAAAAADgPwAAAAAAAOA/AAAAAAAA4D8CAAAAjAAAAAAAAAAAAAAARHLEDP///wgAAAAAAAAAAAAAAAAAAAAAAAAAAAAAAAAAAAAAZAAAAAEAAABAAAAAAAAAAAAAAAAAAAAAAAAAAAAAAAAAAAAAAAAAAAAAAAAAAAAAAAAAAAAAAAAAAAAAAAAAAAAAAAAAAAAAAAAAAAAAAAAAAAAAAAAAAAAAAAAAAAAAFAAAADwAAAAAAAAAAAAAAAAAAAkUAAAAAQAAABQAAAAUAAAAFAAAAAEAAAAAAAAAZAAAAGQAAAAAAAAAZAAAAGQAAAAVAAAAYAAAAAAAAAAAAAAADwAAACADAAAAAAAAAAAAAAEAAACgMgAAVgcAAKr4//8BAAAAf39/AAEAAABkAAAAAAAAABQAAABAHwAAAAAAACYAAAAAAAAAwOD//wAAAAAmAAAAZAAAABYAAABMAAAAAAAAAAAAAAAEAAAAAAAAAAEAAADn5uYKAAAAACgAAAAoAAAAZAAAAGQAAAAAAAAAzMzMAAAAAABQAAAAUAAAAGQAAABkAAAAAAAAABcAAAAUAAAAAAAAAAAAAAD/fwAA/38AAAAAAAAJAAAABAAAAAAAAAAeAAAAaAAAAAAAAAAAAAAAAAAAAAAAAAAAAAAAECcAABAnAAAAAAAAAAAAAAAAAAAAAAAAAAAAAAAAAAAAAAAAAAAAABQAAAAAAAAAwMD/AAAAAABkAAAAMgAAAAAAAABkAAAAAAAAAH9/fwAKAAAAIgAAABgAAAAAAAAAAAAAAAAAAAAAAAAAAAAAAAAAAAAkAAAAJAAAAAAAAAAHAAAAAAAAAAAAAAAAAAAAAAAAAAAAAAAAAAAAf39/ACUAAABYAAAAAAAAAAAAAAAAAAAAAAAAAAAAAAAAAAAAAAAAAAAAAAAAAAAAAAAAAAAAAAA/AAAAAAAAAKCGAQAAAAAAAAAAAAAAAAAMAAAAAQAAAAAAAAAAAAAAAAAAAB8AAABUAAAAAAAABQAAAAEAAAAAAAAAAAAAAAAAAAAAAAAAAAAAAAAAAAAAAAAAAAAAAAJ/f38AAAAAA8zMzADAwP8Af39/AAAAAAAAAAAAAAAAAAAAAAAAAAAAIQAAABgAAAAUAAAAwAMAAN8JAACwJAAAViIAABAAAAAmAAAACAAAAD0gAAAAAAAA"/>
+                <pr:smNativeData xmlns="smNativeData" xmlns:pr="smNativeData" xmlns:p15="http://schemas.microsoft.com/office/powerpoint/2012/main" xmlns:p14="http://schemas.microsoft.com/office/powerpoint/2010/main" xmlns:mc="http://schemas.openxmlformats.org/markup-compatibility/2006" val="SMDATA_15_q5OGZBMAAAAlAAAAZAAAAA0AAAAAAAAAAAAAAAAAAAAAAAAAAAAAAAAAAAAAAAAAAAEAAABQAAAAAAAAAAAA4D8AAAAAAADgPwAAAAAAAOA/AAAAAAAA4D8AAAAAAADgPwAAAAAAAOA/AAAAAAAA4D8AAAAAAADgPwAAAAAAAOA/AAAAAAAA4D8CAAAAjAAAAAAAAAAAAAAARHLEDP///wgAAAAAAAAAAAAAAAAAAAAAAAAAAAAAAAAAAAAAZAAAAAEAAABAAAAAAAAAAAAAAAAAAAAAAAAAAAAAAAAAAAAAAAAAAAAAAAAAAAAAAAAAAAAAAAAAAAAAAAAAAAAAAAAAAAAAAAAAAAAAAAAAAAAAAAAAAAAAAAAAAAAAFAAAADwAAAAAAAAAAAAAAAAAAAkUAAAAAQAAABQAAAAUAAAAFAAAAAEAAAAAAAAAZAAAAGQAAAAAAAAAZAAAAGQAAAAVAAAAYAAAAAAAAAAAAAAADwAAACADAAAAAAAAAAAAAAEAAACgMgAAVgcAAKr4//8BAAAAf39/AAEAAABkAAAAAAAAABQAAABAHwAAAAAAACYAAAAAAAAAwOD//wAAAAAmAAAAZAAAABYAAABMAAAAAAAAAAAAAAAEAAAAAAAAAAEAAADn5uYKAAAAACgAAAAoAAAAZAAAAGQAAAAAAAAAzMzMAAAAAABQAAAAUAAAAGQAAABkAAAAAAAAABcAAAAUAAAAAAAAAAAAAAD/fwAA/38AAAAAAAAJAAAABAAAAAAAAAAeAAAAaAAAAAAAAAAAAAAAAAAAAAAAAAAAAAAAECcAABAnAAAAAAAAAAAAAAAAAAAAAAAAAAAAAAAAAAAAAAAAAAAAABQAAAAAAAAAwMD/AAAAAABkAAAAMgAAAAAAAABkAAAAAAAAAH9/fwAKAAAAIgAAABgAAAAAAAAAAAAAAAAAAAAAAAAAAAAAAAAAAAAkAAAAJAAAAAAAAAAHAAAAAAAAAAAAAAAAAAAAAAAAAAAAAAAAAAAAf39/ACUAAABYAAAAAAAAAAAAAAAAAAAAAAAAAAAAAAAAAAAAAAAAAAAAAAAAAAAAAAAAAAAAAAA/AAAAAAAAAKCGAQAAAAAAAAAAAAAAAAAMAAAAAQAAAAAAAAAAAAAAAAAAAB8AAABUAAAAAAAABQAAAAEAAAAAAAAAAAAAAAAAAAAAAAAAAAAAAAAAAAAAAAAAAAAAAAJ/f38AAAAAA8zMzADAwP8Af39/AAAAAAAAAAAAAAAAAAAAAAAAAAAAIQAAABgAAAAUAAAAwAMAAN8JAACwJAAAViIAABAAAAAmAAAACAAAAD0gAAAAAAAA"/>
               </a:ext>
             </a:extLst>
           </p:cNvSpPr>
@@ -6243,7 +6251,7 @@
             <a:spLocks noGrp="1" noChangeArrowheads="1"/>
             <a:extLst>
               <a:ext uri="smNativeData">
-                <pr:smNativeData xmlns:pr="smNativeData" xmlns="smNativeData" val="SMDATA_15_q5OGZBMAAAAlAAAAZAAAAA0AAAAAAAAAAAAAAAAAAAAAAAAAAAAAAAAAAAAAAAAAAAEAAABQAAAAAAAAAAAA4D8AAAAAAADgPwAAAAAAAOA/AAAAAAAA4D8AAAAAAADgPwAAAAAAAOA/AAAAAAAA4D8AAAAAAADgPwAAAAAAAOA/AAAAAAAA4D8CAAAAjAAAAAAAAAAAAAAARHLEDP///wgAAAAAAAAAAAAAAAAAAAAAAAAAAAAAAAAAAAAAZAAAAAEAAABAAAAAAAAAAAAAAAAAAAAAAAAAAAAAAAAAAAAAAAAAAAAAAAAAAAAAAAAAAAAAAAAAAAAAAAAAAAAAAAAAAAAAAAAAAAAAAAAAAAAAAAAAAAAAAAAAAAAAFAAAADwAAAAAAAAAAAAAAAAAAAkUAAAAAQAAABQAAAAUAAAAFAAAAAEAAAAAAAAAZAAAAGQAAAAAAAAAZAAAAGQAAAAVAAAAYAAAAAAAAAAAAAAADwAAACADAAAAAAAAAAAAAAEAAACgMgAAVgcAAKr4//8BAAAAf39/AAEAAABkAAAAAAAAABQAAABAHwAAAAAAACYAAAAAAAAAwOD//wAAAAAmAAAAZAAAABYAAABMAAAAAAAAAAAAAAAEAAAAAAAAAAEAAADn5uYKAAAAACgAAAAoAAAAZAAAAGQAAAAAAAAAzMzMAAAAAABQAAAAUAAAAGQAAABkAAAAAAAAABcAAAAUAAAAAAAAAAAAAAD/fwAA/38AAAAAAAAJAAAABAAAAAAAAAAeAAAAaAAAAAAAAAAAAAAAAAAAAAAAAAAAAAAAECcAABAnAAAAAAAAAAAAAAAAAAAAAAAAAAAAAAAAAAAAAAAAAAAAABQAAAAAAAAAwMD/AAAAAABkAAAAMgAAAAAAAABkAAAAAAAAAH9/fwAKAAAAIgAAABgAAAAAAAAAAAAAAAAAAAAAAAAAAAAAAAAAAAAkAAAAJAAAAAAAAAAHAAAAAAAAAAAAAAAAAAAAAAAAAAAAAAAAAAAAf39/ACUAAABYAAAAAAAAAAAAAAAAAAAAAAAAAAAAAAAAAAAAAAAAAAAAAAAAAAAAAAAAAAAAAAA/AAAAAAAAAKCGAQAAAAAAAAAAAAAAAAAMAAAAAQAAAAAAAAAAAAAAAAAAAB8AAABUAAAAAAAABQAAAAEAAAAAAAAAAAAAAAAAAAAAAAAAAAAAAAAAAAAAAAAAAAAAAAJ/f38AAAAAA8zMzADAwP8Af39/AAAAAAAAAAAAAAAAAAAAAAAAAAAAIQAAABgAAAAUAAAAViYAAN8JAABGRwAAihUAABAAAAAmAAAACAAAAD0gAAAAAAAA"/>
+                <pr:smNativeData xmlns="smNativeData" xmlns:pr="smNativeData" xmlns:p15="http://schemas.microsoft.com/office/powerpoint/2012/main" xmlns:p14="http://schemas.microsoft.com/office/powerpoint/2010/main" xmlns:mc="http://schemas.openxmlformats.org/markup-compatibility/2006" val="SMDATA_15_q5OGZBMAAAAlAAAAZAAAAA0AAAAAAAAAAAAAAAAAAAAAAAAAAAAAAAAAAAAAAAAAAAEAAABQAAAAAAAAAAAA4D8AAAAAAADgPwAAAAAAAOA/AAAAAAAA4D8AAAAAAADgPwAAAAAAAOA/AAAAAAAA4D8AAAAAAADgPwAAAAAAAOA/AAAAAAAA4D8CAAAAjAAAAAAAAAAAAAAARHLEDP///wgAAAAAAAAAAAAAAAAAAAAAAAAAAAAAAAAAAAAAZAAAAAEAAABAAAAAAAAAAAAAAAAAAAAAAAAAAAAAAAAAAAAAAAAAAAAAAAAAAAAAAAAAAAAAAAAAAAAAAAAAAAAAAAAAAAAAAAAAAAAAAAAAAAAAAAAAAAAAAAAAAAAAFAAAADwAAAAAAAAAAAAAAAAAAAkUAAAAAQAAABQAAAAUAAAAFAAAAAEAAAAAAAAAZAAAAGQAAAAAAAAAZAAAAGQAAAAVAAAAYAAAAAAAAAAAAAAADwAAACADAAAAAAAAAAAAAAEAAACgMgAAVgcAAKr4//8BAAAAf39/AAEAAABkAAAAAAAAABQAAABAHwAAAAAAACYAAAAAAAAAwOD//wAAAAAmAAAAZAAAABYAAABMAAAAAAAAAAAAAAAEAAAAAAAAAAEAAADn5uYKAAAAACgAAAAoAAAAZAAAAGQAAAAAAAAAzMzMAAAAAABQAAAAUAAAAGQAAABkAAAAAAAAABcAAAAUAAAAAAAAAAAAAAD/fwAA/38AAAAAAAAJAAAABAAAAAAAAAAeAAAAaAAAAAAAAAAAAAAAAAAAAAAAAAAAAAAAECcAABAnAAAAAAAAAAAAAAAAAAAAAAAAAAAAAAAAAAAAAAAAAAAAABQAAAAAAAAAwMD/AAAAAABkAAAAMgAAAAAAAABkAAAAAAAAAH9/fwAKAAAAIgAAABgAAAAAAAAAAAAAAAAAAAAAAAAAAAAAAAAAAAAkAAAAJAAAAAAAAAAHAAAAAAAAAAAAAAAAAAAAAAAAAAAAAAAAAAAAf39/ACUAAABYAAAAAAAAAAAAAAAAAAAAAAAAAAAAAAAAAAAAAAAAAAAAAAAAAAAAAAAAAAAAAAA/AAAAAAAAAKCGAQAAAAAAAAAAAAAAAAAMAAAAAQAAAAAAAAAAAAAAAAAAAB8AAABUAAAAAAAABQAAAAEAAAAAAAAAAAAAAAAAAAAAAAAAAAAAAAAAAAAAAAAAAAAAAAJ/f38AAAAAA8zMzADAwP8Af39/AAAAAAAAAAAAAAAAAAAAAAAAAAAAIQAAABgAAAAUAAAAViYAAN8JAABGRwAAihUAABAAAAAmAAAACAAAAD0gAAAAAAAA"/>
               </a:ext>
             </a:extLst>
           </p:cNvSpPr>
@@ -6279,7 +6287,7 @@
             <a:spLocks noGrp="1" noChangeArrowheads="1"/>
             <a:extLst>
               <a:ext uri="smNativeData">
-                <pr:smNativeData xmlns:pr="smNativeData" xmlns="smNativeData" val="SMDATA_15_q5OGZBMAAAAlAAAAZAAAAA0AAAAAAAAAAAAAAAAAAAAAAAAAAAAAAAAAAAAAAAAAAAEAAABQAAAAAAAAAAAA4D8AAAAAAADgPwAAAAAAAOA/AAAAAAAA4D8AAAAAAADgPwAAAAAAAOA/AAAAAAAA4D8AAAAAAADgPwAAAAAAAOA/AAAAAAAA4D8CAAAAjAAAAAAAAAAAAAAARHLEDP///wgAAAAAAAAAAAAAAAAAAAAAAAAAAAAAAAAAAAAAZAAAAAEAAABAAAAAAAAAAAAAAAAAAAAAAAAAAAAAAAAAAAAAAAAAAAAAAAAAAAAAAAAAAAAAAAAAAAAAAAAAAAAAAAAAAAAAAAAAAAAAAAAAAAAAAAAAAAAAAAAAAAAAFAAAADwAAAAAAAAAAAAAAAAAAAkUAAAAAQAAABQAAAAUAAAAFAAAAAEAAAAAAAAAZAAAAGQAAAAAAAAAZAAAAGQAAAAVAAAAYAAAAAAAAAAAAAAADwAAACADAAAAAAAAAAAAAAEAAACgMgAAVgcAAKr4//8BAAAAf39/AAEAAABkAAAAAAAAABQAAABAHwAAAAAAACYAAAAAAAAAwOD//wAAAAAmAAAAZAAAABYAAABMAAAAAAAAAAAAAAAEAAAAAAAAAAEAAADn5uYKAAAAACgAAAAoAAAAZAAAAGQAAAAAAAAAzMzMAAAAAABQAAAAUAAAAGQAAABkAAAAAAAAABcAAAAUAAAAAAAAAAAAAAD/fwAA/38AAAAAAAAJAAAABAAAAAAAAAAeAAAAaAAAAAAAAAAAAAAAAAAAAAAAAAAAAAAAECcAABAnAAAAAAAAAAAAAAAAAAAAAAAAAAAAAAAAAAAAAAAAAAAAABQAAAAAAAAAwMD/AAAAAABkAAAAMgAAAAAAAABkAAAAAAAAAH9/fwAKAAAAIgAAABgAAAAAAAAAAAAAAAAAAAAAAAAAAAAAAAAAAAAkAAAAJAAAAAAAAAAHAAAAAAAAAAAAAAAAAAAAAAAAAAAAAAAAAAAAf39/ACUAAABYAAAAAAAAAAAAAAAAAAAAAAAAAAAAAAAAAAAAAAAAAAAAAAAAAAAAAAAAAAAAAAA/AAAAAAAAAKCGAQAAAAAAAAAAAAAAAAAMAAAAAQAAAAAAAAAAAAAAAAAAAB8AAABUAAAAAAAABQAAAAEAAAAAAAAAAAAAAAAAAAAAAAAAAAAAAAAAAAAAAAAAAAAAAAJ/f38AAAAAA8zMzADAwP8Af39/AAAAAAAAAAAAAAAAAAAAAAAAAAAAIQAAABgAAAAUAAAAViYAAKcWAABGRwAAUiIAABAAAAAmAAAACAAAAD0gAAAAAAAA"/>
+                <pr:smNativeData xmlns="smNativeData" xmlns:pr="smNativeData" xmlns:p15="http://schemas.microsoft.com/office/powerpoint/2012/main" xmlns:p14="http://schemas.microsoft.com/office/powerpoint/2010/main" xmlns:mc="http://schemas.openxmlformats.org/markup-compatibility/2006" val="SMDATA_15_q5OGZBMAAAAlAAAAZAAAAA0AAAAAAAAAAAAAAAAAAAAAAAAAAAAAAAAAAAAAAAAAAAEAAABQAAAAAAAAAAAA4D8AAAAAAADgPwAAAAAAAOA/AAAAAAAA4D8AAAAAAADgPwAAAAAAAOA/AAAAAAAA4D8AAAAAAADgPwAAAAAAAOA/AAAAAAAA4D8CAAAAjAAAAAAAAAAAAAAARHLEDP///wgAAAAAAAAAAAAAAAAAAAAAAAAAAAAAAAAAAAAAZAAAAAEAAABAAAAAAAAAAAAAAAAAAAAAAAAAAAAAAAAAAAAAAAAAAAAAAAAAAAAAAAAAAAAAAAAAAAAAAAAAAAAAAAAAAAAAAAAAAAAAAAAAAAAAAAAAAAAAAAAAAAAAFAAAADwAAAAAAAAAAAAAAAAAAAkUAAAAAQAAABQAAAAUAAAAFAAAAAEAAAAAAAAAZAAAAGQAAAAAAAAAZAAAAGQAAAAVAAAAYAAAAAAAAAAAAAAADwAAACADAAAAAAAAAAAAAAEAAACgMgAAVgcAAKr4//8BAAAAf39/AAEAAABkAAAAAAAAABQAAABAHwAAAAAAACYAAAAAAAAAwOD//wAAAAAmAAAAZAAAABYAAABMAAAAAAAAAAAAAAAEAAAAAAAAAAEAAADn5uYKAAAAACgAAAAoAAAAZAAAAGQAAAAAAAAAzMzMAAAAAABQAAAAUAAAAGQAAABkAAAAAAAAABcAAAAUAAAAAAAAAAAAAAD/fwAA/38AAAAAAAAJAAAABAAAAAAAAAAeAAAAaAAAAAAAAAAAAAAAAAAAAAAAAAAAAAAAECcAABAnAAAAAAAAAAAAAAAAAAAAAAAAAAAAAAAAAAAAAAAAAAAAABQAAAAAAAAAwMD/AAAAAABkAAAAMgAAAAAAAABkAAAAAAAAAH9/fwAKAAAAIgAAABgAAAAAAAAAAAAAAAAAAAAAAAAAAAAAAAAAAAAkAAAAJAAAAAAAAAAHAAAAAAAAAAAAAAAAAAAAAAAAAAAAAAAAAAAAf39/ACUAAABYAAAAAAAAAAAAAAAAAAAAAAAAAAAAAAAAAAAAAAAAAAAAAAAAAAAAAAAAAAAAAAA/AAAAAAAAAKCGAQAAAAAAAAAAAAAAAAAMAAAAAQAAAAAAAAAAAAAAAAAAAB8AAABUAAAAAAAABQAAAAEAAAAAAAAAAAAAAAAAAAAAAAAAAAAAAAAAAAAAAAAAAAAAAAJ/f38AAAAAA8zMzADAwP8Af39/AAAAAAAAAAAAAAAAAAAAAAAAAAAAIQAAABgAAAAUAAAAViYAAKcWAABGRwAAUiIAABAAAAAmAAAACAAAAD0gAAAAAAAA"/>
               </a:ext>
             </a:extLst>
           </p:cNvSpPr>
@@ -6317,7 +6325,7 @@
 </file>
 
 <file path=ppt/slideLayouts/slideLayout9.xml><?xml version="1.0" encoding="utf-8"?>
-<p:sldLayout xmlns:p="http://schemas.openxmlformats.org/presentationml/2006/main" xmlns:mc="http://schemas.openxmlformats.org/markup-compatibility/2006" xmlns:p14="http://schemas.microsoft.com/office/powerpoint/2010/main" xmlns:p15="http://schemas.microsoft.com/office/powerpoint/2012/main" xmlns:r="http://schemas.openxmlformats.org/officeDocument/2006/relationships" xmlns:a="http://schemas.openxmlformats.org/drawingml/2006/main" type="twoObjOverTx" preserve="1">
+<p:sldLayout xmlns:a="http://schemas.openxmlformats.org/drawingml/2006/main" xmlns:r="http://schemas.openxmlformats.org/officeDocument/2006/relationships" xmlns:p="http://schemas.openxmlformats.org/presentationml/2006/main" type="twoObjOverTx" preserve="1">
   <p:cSld name="Title, 2 Content over Content">
     <p:spTree>
       <p:nvGrpSpPr>
@@ -6340,7 +6348,7 @@
             <a:spLocks noGrp="1" noChangeArrowheads="1"/>
             <a:extLst>
               <a:ext uri="smNativeData">
-                <pr:smNativeData xmlns:pr="smNativeData" xmlns="smNativeData" val="SMDATA_15_q5OGZBMAAAAlAAAAZAAAAA0AAAAAAAAAAAAAAAAAAAAAAAAAAAAAAAABAAAAAAAAAAEAAABQAAAAAAAAAAAA4D8AAAAAAADgPwAAAAAAAOA/AAAAAAAA4D8AAAAAAADgPwAAAAAAAOA/AAAAAAAA4D8AAAAAAADgPwAAAAAAAOA/AAAAAAAA4D8CAAAAjAAAAAAAAAAAAAAARHLEDP///wgAAAAAAAAAAAAAAAAAAAAAAAAAAAAAAAAAAAAAZAAAAAEAAABAAAAAAAAAAAAAAAAAAAAAAAAAAAAAAAAAAAAAAAAAAAAAAAAAAAAAAAAAAAAAAAAAAAAAAAAAAAAAAAAAAAAAAAAAAAAAAAAAAAAAAAAAAAAAAAAAAAAAFAAAADwAAAAAAAAAAAAAAAAAAAkUAAAAAQAAABQAAAAUAAAAFAAAAAEAAAAAAAAAZAAAAGQAAAAAAAAAZAAAAGQAAAAVAAAAYAAAAAAAAAAAAAAADwAAACADAAAAAAAAAAAAAAEAAACgMgAAVgcAAKr4//8BAAAAf39/AAEAAABkAAAAAAAAABQAAABAHwAAAAAAACYAAAAAAAAAwOD//wAAAAAmAAAAZAAAABYAAABMAAAAAAAAAAAAAAAEAAAAAAAAAAEAAADn5uYKAAAAACgAAAAoAAAAZAAAAGQAAAAAAAAAzMzMAAAAAABQAAAAUAAAAGQAAABkAAAAAAAAABcAAAAUAAAAAAAAAAAAAAD/fwAA/38AAAAAAAAJAAAABAAAAGwAAAAeAAAAaAAAAAAAAAAAAAAAAAAAAAAAAAAAAAAAECcAABAnAAAAAAAAAAAAAAAAAAAAAAAAAAAAAAAAAAAAAAAAAAAAABQAAAAAAAAAwMD/AAAAAABkAAAAMgAAAAAAAABkAAAAAAAAAH9/fwAKAAAAIgAAABgAAAAAAAAAAAAAAAAAAAAAAAAAAAAAAAAAAAAkAAAAJAAAAAAAAAAHAAAAAAAAAAAAAAAAAAAAAAAAAAAAAAAAAAAAf39/ACUAAABYAAAAAAAAAAAAAAAAAAAAAAAAAAAAAAAAAAAAAAAAAAAAAAAAAAAAAAAAAAAAAAA/AAAAAAAAAKCGAQAAAAAAAAAAAAAAAAAMAAAAAQAAAAAAAAAAAAAAAAAAAB8AAABUAAAAAAAABQAAAAEAAAAAAAAAAAAAAAAAAAAAAAAAAAAAAAAAAAAAAAAAAAAAAAJ/f38AAAAAA8zMzADAwP8Af39/AAAAAAAAAAAAAAAAAAAAAAAAAAAAIQAAABgAAAAUAAAAwAMAAK8BAAA/RwAAuggAABAAAAAmAAAACAAAAD0gAAAAAAAA"/>
+                <pr:smNativeData xmlns="smNativeData" xmlns:pr="smNativeData" xmlns:p15="http://schemas.microsoft.com/office/powerpoint/2012/main" xmlns:p14="http://schemas.microsoft.com/office/powerpoint/2010/main" xmlns:mc="http://schemas.openxmlformats.org/markup-compatibility/2006" val="SMDATA_15_q5OGZBMAAAAlAAAAZAAAAA0AAAAAAAAAAAAAAAAAAAAAAAAAAAAAAAABAAAAAAAAAAEAAABQAAAAAAAAAAAA4D8AAAAAAADgPwAAAAAAAOA/AAAAAAAA4D8AAAAAAADgPwAAAAAAAOA/AAAAAAAA4D8AAAAAAADgPwAAAAAAAOA/AAAAAAAA4D8CAAAAjAAAAAAAAAAAAAAARHLEDP///wgAAAAAAAAAAAAAAAAAAAAAAAAAAAAAAAAAAAAAZAAAAAEAAABAAAAAAAAAAAAAAAAAAAAAAAAAAAAAAAAAAAAAAAAAAAAAAAAAAAAAAAAAAAAAAAAAAAAAAAAAAAAAAAAAAAAAAAAAAAAAAAAAAAAAAAAAAAAAAAAAAAAAFAAAADwAAAAAAAAAAAAAAAAAAAkUAAAAAQAAABQAAAAUAAAAFAAAAAEAAAAAAAAAZAAAAGQAAAAAAAAAZAAAAGQAAAAVAAAAYAAAAAAAAAAAAAAADwAAACADAAAAAAAAAAAAAAEAAACgMgAAVgcAAKr4//8BAAAAf39/AAEAAABkAAAAAAAAABQAAABAHwAAAAAAACYAAAAAAAAAwOD//wAAAAAmAAAAZAAAABYAAABMAAAAAAAAAAAAAAAEAAAAAAAAAAEAAADn5uYKAAAAACgAAAAoAAAAZAAAAGQAAAAAAAAAzMzMAAAAAABQAAAAUAAAAGQAAABkAAAAAAAAABcAAAAUAAAAAAAAAAAAAAD/fwAA/38AAAAAAAAJAAAABAAAAGwAAAAeAAAAaAAAAAAAAAAAAAAAAAAAAAAAAAAAAAAAECcAABAnAAAAAAAAAAAAAAAAAAAAAAAAAAAAAAAAAAAAAAAAAAAAABQAAAAAAAAAwMD/AAAAAABkAAAAMgAAAAAAAABkAAAAAAAAAH9/fwAKAAAAIgAAABgAAAAAAAAAAAAAAAAAAAAAAAAAAAAAAAAAAAAkAAAAJAAAAAAAAAAHAAAAAAAAAAAAAAAAAAAAAAAAAAAAAAAAAAAAf39/ACUAAABYAAAAAAAAAAAAAAAAAAAAAAAAAAAAAAAAAAAAAAAAAAAAAAAAAAAAAAAAAAAAAAA/AAAAAAAAAKCGAQAAAAAAAAAAAAAAAAAMAAAAAQAAAAAAAAAAAAAAAAAAAB8AAABUAAAAAAAABQAAAAEAAAAAAAAAAAAAAAAAAAAAAAAAAAAAAAAAAAAAAAAAAAAAAAJ/f38AAAAAA8zMzADAwP8Af39/AAAAAAAAAAAAAAAAAAAAAAAAAAAAIQAAABgAAAAUAAAAwAMAAK8BAAA/RwAAuggAABAAAAAmAAAACAAAAD0gAAAAAAAA"/>
               </a:ext>
             </a:extLst>
           </p:cNvSpPr>
@@ -6376,7 +6384,7 @@
             <a:spLocks noGrp="1" noChangeArrowheads="1"/>
             <a:extLst>
               <a:ext uri="smNativeData">
-                <pr:smNativeData xmlns:pr="smNativeData" xmlns="smNativeData" val="SMDATA_15_q5OGZBMAAAAlAAAAZAAAAA0AAAAAAAAAAAAAAAAAAAAAAAAAAAAAAAAAAAAAAAAAAAEAAABQAAAAAAAAAAAA4D8AAAAAAADgPwAAAAAAAOA/AAAAAAAA4D8AAAAAAADgPwAAAAAAAOA/AAAAAAAA4D8AAAAAAADgPwAAAAAAAOA/AAAAAAAA4D8CAAAAjAAAAAAAAAAAAAAARHLEDP///wgAAAAAAAAAAAAAAAAAAAAAAAAAAAAAAAAAAAAAZAAAAAEAAABAAAAAAAAAAAAAAAAAAAAAAAAAAAAAAAAAAAAAAAAAAAAAAAAAAAAAAAAAAAAAAAAAAAAAAAAAAAAAAAAAAAAAAAAAAAAAAAAAAAAAAAAAAAAAAAAAAAAAFAAAADwAAAAAAAAAAAAAAAAAAAkUAAAAAQAAABQAAAAUAAAAFAAAAAEAAAAAAAAAZAAAAGQAAAAAAAAAZAAAAGQAAAAVAAAAYAAAAAAAAAAAAAAADwAAACADAAAAAAAAAAAAAAEAAACgMgAAVgcAAKr4//8BAAAAf39/AAEAAABkAAAAAAAAABQAAABAHwAAAAAAACYAAAAAAAAAwOD//wAAAAAmAAAAZAAAABYAAABMAAAAAAAAAAAAAAAEAAAAAAAAAAEAAADn5uYKAAAAACgAAAAoAAAAZAAAAGQAAAAAAAAAzMzMAAAAAABQAAAAUAAAAGQAAABkAAAAAAAAABcAAAAUAAAAAAAAAAAAAAD/fwAA/38AAAAAAAAJAAAABAAAAAAAAAAeAAAAaAAAAAAAAAAAAAAAAAAAAAAAAAAAAAAAECcAABAnAAAAAAAAAAAAAAAAAAAAAAAAAAAAAAAAAAAAAAAAAAAAABQAAAAAAAAAwMD/AAAAAABkAAAAMgAAAAAAAABkAAAAAAAAAH9/fwAKAAAAIgAAABgAAAAAAAAAAAAAAAAAAAAAAAAAAAAAAAAAAAAkAAAAJAAAAAAAAAAHAAAAAAAAAAAAAAAAAAAAAAAAAAAAAAAAAAAAf39/ACUAAABYAAAAAAAAAAAAAAAAAAAAAAAAAAAAAAAAAAAAAAAAAAAAAAAAAAAAAAAAAAAAAAA/AAAAAAAAAKCGAQAAAAAAAAAAAAAAAAAMAAAAAQAAAAAAAAAAAAAAAAAAAB8AAABUAAAAAAAABQAAAAEAAAAAAAAAAAAAAAAAAAAAAAAAAAAAAAAAAAAAAAAAAAAAAAJ/f38AAAAAA8zMzADAwP8Af39/AAAAAAAAAAAAAAAAAAAAAAAAAAAAIQAAABgAAAAUAAAAwAMAAN8JAACwJAAAihUAABAAAAAmAAAACAAAAD0gAAAAAAAA"/>
+                <pr:smNativeData xmlns="smNativeData" xmlns:pr="smNativeData" xmlns:p15="http://schemas.microsoft.com/office/powerpoint/2012/main" xmlns:p14="http://schemas.microsoft.com/office/powerpoint/2010/main" xmlns:mc="http://schemas.openxmlformats.org/markup-compatibility/2006" val="SMDATA_15_q5OGZBMAAAAlAAAAZAAAAA0AAAAAAAAAAAAAAAAAAAAAAAAAAAAAAAAAAAAAAAAAAAEAAABQAAAAAAAAAAAA4D8AAAAAAADgPwAAAAAAAOA/AAAAAAAA4D8AAAAAAADgPwAAAAAAAOA/AAAAAAAA4D8AAAAAAADgPwAAAAAAAOA/AAAAAAAA4D8CAAAAjAAAAAAAAAAAAAAARHLEDP///wgAAAAAAAAAAAAAAAAAAAAAAAAAAAAAAAAAAAAAZAAAAAEAAABAAAAAAAAAAAAAAAAAAAAAAAAAAAAAAAAAAAAAAAAAAAAAAAAAAAAAAAAAAAAAAAAAAAAAAAAAAAAAAAAAAAAAAAAAAAAAAAAAAAAAAAAAAAAAAAAAAAAAFAAAADwAAAAAAAAAAAAAAAAAAAkUAAAAAQAAABQAAAAUAAAAFAAAAAEAAAAAAAAAZAAAAGQAAAAAAAAAZAAAAGQAAAAVAAAAYAAAAAAAAAAAAAAADwAAACADAAAAAAAAAAAAAAEAAACgMgAAVgcAAKr4//8BAAAAf39/AAEAAABkAAAAAAAAABQAAABAHwAAAAAAACYAAAAAAAAAwOD//wAAAAAmAAAAZAAAABYAAABMAAAAAAAAAAAAAAAEAAAAAAAAAAEAAADn5uYKAAAAACgAAAAoAAAAZAAAAGQAAAAAAAAAzMzMAAAAAABQAAAAUAAAAGQAAABkAAAAAAAAABcAAAAUAAAAAAAAAAAAAAD/fwAA/38AAAAAAAAJAAAABAAAAAAAAAAeAAAAaAAAAAAAAAAAAAAAAAAAAAAAAAAAAAAAECcAABAnAAAAAAAAAAAAAAAAAAAAAAAAAAAAAAAAAAAAAAAAAAAAABQAAAAAAAAAwMD/AAAAAABkAAAAMgAAAAAAAABkAAAAAAAAAH9/fwAKAAAAIgAAABgAAAAAAAAAAAAAAAAAAAAAAAAAAAAAAAAAAAAkAAAAJAAAAAAAAAAHAAAAAAAAAAAAAAAAAAAAAAAAAAAAAAAAAAAAf39/ACUAAABYAAAAAAAAAAAAAAAAAAAAAAAAAAAAAAAAAAAAAAAAAAAAAAAAAAAAAAAAAAAAAAA/AAAAAAAAAKCGAQAAAAAAAAAAAAAAAAAMAAAAAQAAAAAAAAAAAAAAAAAAAB8AAABUAAAAAAAABQAAAAEAAAAAAAAAAAAAAAAAAAAAAAAAAAAAAAAAAAAAAAAAAAAAAAJ/f38AAAAAA8zMzADAwP8Af39/AAAAAAAAAAAAAAAAAAAAAAAAAAAAIQAAABgAAAAUAAAAwAMAAN8JAACwJAAAihUAABAAAAAmAAAACAAAAD0gAAAAAAAA"/>
               </a:ext>
             </a:extLst>
           </p:cNvSpPr>
@@ -6412,7 +6420,7 @@
             <a:spLocks noGrp="1" noChangeArrowheads="1"/>
             <a:extLst>
               <a:ext uri="smNativeData">
-                <pr:smNativeData xmlns:pr="smNativeData" xmlns="smNativeData" val="SMDATA_15_q5OGZBMAAAAlAAAAZAAAAA0AAAAAAAAAAAAAAAAAAAAAAAAAAAAAAAAAAAAAAAAAAAEAAABQAAAAAAAAAAAA4D8AAAAAAADgPwAAAAAAAOA/AAAAAAAA4D8AAAAAAADgPwAAAAAAAOA/AAAAAAAA4D8AAAAAAADgPwAAAAAAAOA/AAAAAAAA4D8CAAAAjAAAAAAAAAAAAAAARHLEDP///wgAAAAAAAAAAAAAAAAAAAAAAAAAAAAAAAAAAAAAZAAAAAEAAABAAAAAAAAAAAAAAAAAAAAAAAAAAAAAAAAAAAAAAAAAAAAAAAAAAAAAAAAAAAAAAAAAAAAAAAAAAAAAAAAAAAAAAAAAAAAAAAAAAAAAAAAAAAAAAAAAAAAAFAAAADwAAAAAAAAAAAAAAAAAAAkUAAAAAQAAABQAAAAUAAAAFAAAAAEAAAAAAAAAZAAAAGQAAAAAAAAAZAAAAGQAAAAVAAAAYAAAAAAAAAAAAAAADwAAACADAAAAAAAAAAAAAAEAAACgMgAAVgcAAKr4//8BAAAAf39/AAEAAABkAAAAAAAAABQAAABAHwAAAAAAACYAAAAAAAAAwOD//wAAAAAmAAAAZAAAABYAAABMAAAAAAAAAAAAAAAEAAAAAAAAAAEAAADn5uYKAAAAACgAAAAoAAAAZAAAAGQAAAAAAAAAzMzMAAAAAABQAAAAUAAAAGQAAABkAAAAAAAAABcAAAAUAAAAAAAAAAAAAAD/fwAA/38AAAAAAAAJAAAABAAAAAAAAAAeAAAAaAAAAAAAAAAAAAAAAAAAAAAAAAAAAAAAECcAABAnAAAAAAAAAAAAAAAAAAAAAAAAAAAAAAAAAAAAAAAAAAAAABQAAAAAAAAAwMD/AAAAAABkAAAAMgAAAAAAAABkAAAAAAAAAH9/fwAKAAAAIgAAABgAAAAAAAAAAAAAAAAAAAAAAAAAAAAAAAAAAAAkAAAAJAAAAAAAAAAHAAAAAAAAAAAAAAAAAAAAAAAAAAAAAAAAAAAAf39/ACUAAABYAAAAAAAAAAAAAAAAAAAAAAAAAAAAAAAAAAAAAAAAAAAAAAAAAAAAAAAAAAAAAAA/AAAAAAAAAKCGAQAAAAAAAAAAAAAAAAAMAAAAAQAAAAAAAAAAAAAAAAAAAB8AAABUAAAAAAAABQAAAAEAAAAAAAAAAAAAAAAAAAAAAAAAAAAAAAAAAAAAAAAAAAAAAAJ/f38AAAAAA8zMzADAwP8Af39/AAAAAAAAAAAAAAAAAAAAAAAAAAAAIQAAABgAAAAUAAAAViYAAN8JAABGRwAAihUAABAAAAAmAAAACAAAAD0gAAAAAAAA"/>
+                <pr:smNativeData xmlns="smNativeData" xmlns:pr="smNativeData" xmlns:p15="http://schemas.microsoft.com/office/powerpoint/2012/main" xmlns:p14="http://schemas.microsoft.com/office/powerpoint/2010/main" xmlns:mc="http://schemas.openxmlformats.org/markup-compatibility/2006" val="SMDATA_15_q5OGZBMAAAAlAAAAZAAAAA0AAAAAAAAAAAAAAAAAAAAAAAAAAAAAAAAAAAAAAAAAAAEAAABQAAAAAAAAAAAA4D8AAAAAAADgPwAAAAAAAOA/AAAAAAAA4D8AAAAAAADgPwAAAAAAAOA/AAAAAAAA4D8AAAAAAADgPwAAAAAAAOA/AAAAAAAA4D8CAAAAjAAAAAAAAAAAAAAARHLEDP///wgAAAAAAAAAAAAAAAAAAAAAAAAAAAAAAAAAAAAAZAAAAAEAAABAAAAAAAAAAAAAAAAAAAAAAAAAAAAAAAAAAAAAAAAAAAAAAAAAAAAAAAAAAAAAAAAAAAAAAAAAAAAAAAAAAAAAAAAAAAAAAAAAAAAAAAAAAAAAAAAAAAAAFAAAADwAAAAAAAAAAAAAAAAAAAkUAAAAAQAAABQAAAAUAAAAFAAAAAEAAAAAAAAAZAAAAGQAAAAAAAAAZAAAAGQAAAAVAAAAYAAAAAAAAAAAAAAADwAAACADAAAAAAAAAAAAAAEAAACgMgAAVgcAAKr4//8BAAAAf39/AAEAAABkAAAAAAAAABQAAABAHwAAAAAAACYAAAAAAAAAwOD//wAAAAAmAAAAZAAAABYAAABMAAAAAAAAAAAAAAAEAAAAAAAAAAEAAADn5uYKAAAAACgAAAAoAAAAZAAAAGQAAAAAAAAAzMzMAAAAAABQAAAAUAAAAGQAAABkAAAAAAAAABcAAAAUAAAAAAAAAAAAAAD/fwAA/38AAAAAAAAJAAAABAAAAAAAAAAeAAAAaAAAAAAAAAAAAAAAAAAAAAAAAAAAAAAAECcAABAnAAAAAAAAAAAAAAAAAAAAAAAAAAAAAAAAAAAAAAAAAAAAABQAAAAAAAAAwMD/AAAAAABkAAAAMgAAAAAAAABkAAAAAAAAAH9/fwAKAAAAIgAAABgAAAAAAAAAAAAAAAAAAAAAAAAAAAAAAAAAAAAkAAAAJAAAAAAAAAAHAAAAAAAAAAAAAAAAAAAAAAAAAAAAAAAAAAAAf39/ACUAAABYAAAAAAAAAAAAAAAAAAAAAAAAAAAAAAAAAAAAAAAAAAAAAAAAAAAAAAAAAAAAAAA/AAAAAAAAAKCGAQAAAAAAAAAAAAAAAAAMAAAAAQAAAAAAAAAAAAAAAAAAAB8AAABUAAAAAAAABQAAAAEAAAAAAAAAAAAAAAAAAAAAAAAAAAAAAAAAAAAAAAAAAAAAAAJ/f38AAAAAA8zMzADAwP8Af39/AAAAAAAAAAAAAAAAAAAAAAAAAAAAIQAAABgAAAAUAAAAViYAAN8JAABGRwAAihUAABAAAAAmAAAACAAAAD0gAAAAAAAA"/>
               </a:ext>
             </a:extLst>
           </p:cNvSpPr>
@@ -6448,7 +6456,7 @@
             <a:spLocks noGrp="1" noChangeArrowheads="1"/>
             <a:extLst>
               <a:ext uri="smNativeData">
-                <pr:smNativeData xmlns:pr="smNativeData" xmlns="smNativeData" val="SMDATA_15_q5OGZBMAAAAlAAAAZAAAAA0AAAAAAAAAAAAAAAAAAAAAAAAAAAAAAAAAAAAAAAAAAAEAAABQAAAAAAAAAAAA4D8AAAAAAADgPwAAAAAAAOA/AAAAAAAA4D8AAAAAAADgPwAAAAAAAOA/AAAAAAAA4D8AAAAAAADgPwAAAAAAAOA/AAAAAAAA4D8CAAAAjAAAAAAAAAAAAAAARHLEDP///wgAAAAAAAAAAAAAAAAAAAAAAAAAAAAAAAAAAAAAZAAAAAEAAABAAAAAAAAAAAAAAAAAAAAAAAAAAAAAAAAAAAAAAAAAAAAAAAAAAAAAAAAAAAAAAAAAAAAAAAAAAAAAAAAAAAAAAAAAAAAAAAAAAAAAAAAAAAAAAAAAAAAAFAAAADwAAAAAAAAAAAAAAAAAAAkUAAAAAQAAABQAAAAUAAAAFAAAAAEAAAAAAAAAZAAAAGQAAAAAAAAAZAAAAGQAAAAVAAAAYAAAAAAAAAAAAAAADwAAACADAAAAAAAAAAAAAAEAAACgMgAAVgcAAKr4//8BAAAAf39/AAEAAABkAAAAAAAAABQAAABAHwAAAAAAACYAAAAAAAAAwOD//wAAAAAmAAAAZAAAABYAAABMAAAAAAAAAAAAAAAEAAAAAAAAAAEAAADn5uYKAAAAACgAAAAoAAAAZAAAAGQAAAAAAAAAzMzMAAAAAABQAAAAUAAAAGQAAABkAAAAAAAAABcAAAAUAAAAAAAAAAAAAAD/fwAA/38AAAAAAAAJAAAABAAAAAAAAAAeAAAAaAAAAAAAAAAAAAAAAAAAAAAAAAAAAAAAECcAABAnAAAAAAAAAAAAAAAAAAAAAAAAAAAAAAAAAAAAAAAAAAAAABQAAAAAAAAAwMD/AAAAAABkAAAAMgAAAAAAAABkAAAAAAAAAH9/fwAKAAAAIgAAABgAAAAAAAAAAAAAAAAAAAAAAAAAAAAAAAAAAAAkAAAAJAAAAAAAAAAHAAAAAAAAAAAAAAAAAAAAAAAAAAAAAAAAAAAAf39/ACUAAABYAAAAAAAAAAAAAAAAAAAAAAAAAAAAAAAAAAAAAAAAAAAAAAAAAAAAAAAAAAAAAAA/AAAAAAAAAKCGAQAAAAAAAAAAAAAAAAAMAAAAAQAAAAAAAAAAAAAAAAAAAB8AAABUAAAAAAAABQAAAAEAAAAAAAAAAAAAAAAAAAAAAAAAAAAAAAAAAAAAAAAAAAAAAAJ/f38AAAAAA8zMzADAwP8Af39/AAAAAAAAAAAAAAAAAAAAAAAAAAAAIQAAABgAAAAUAAAAwAMAAKcWAAA/RwAAUiIAABAAAAAmAAAACAAAAD0gAAAAAAAA"/>
+                <pr:smNativeData xmlns="smNativeData" xmlns:pr="smNativeData" xmlns:p15="http://schemas.microsoft.com/office/powerpoint/2012/main" xmlns:p14="http://schemas.microsoft.com/office/powerpoint/2010/main" xmlns:mc="http://schemas.openxmlformats.org/markup-compatibility/2006" val="SMDATA_15_q5OGZBMAAAAlAAAAZAAAAA0AAAAAAAAAAAAAAAAAAAAAAAAAAAAAAAAAAAAAAAAAAAEAAABQAAAAAAAAAAAA4D8AAAAAAADgPwAAAAAAAOA/AAAAAAAA4D8AAAAAAADgPwAAAAAAAOA/AAAAAAAA4D8AAAAAAADgPwAAAAAAAOA/AAAAAAAA4D8CAAAAjAAAAAAAAAAAAAAARHLEDP///wgAAAAAAAAAAAAAAAAAAAAAAAAAAAAAAAAAAAAAZAAAAAEAAABAAAAAAAAAAAAAAAAAAAAAAAAAAAAAAAAAAAAAAAAAAAAAAAAAAAAAAAAAAAAAAAAAAAAAAAAAAAAAAAAAAAAAAAAAAAAAAAAAAAAAAAAAAAAAAAAAAAAAFAAAADwAAAAAAAAAAAAAAAAAAAkUAAAAAQAAABQAAAAUAAAAFAAAAAEAAAAAAAAAZAAAAGQAAAAAAAAAZAAAAGQAAAAVAAAAYAAAAAAAAAAAAAAADwAAACADAAAAAAAAAAAAAAEAAACgMgAAVgcAAKr4//8BAAAAf39/AAEAAABkAAAAAAAAABQAAABAHwAAAAAAACYAAAAAAAAAwOD//wAAAAAmAAAAZAAAABYAAABMAAAAAAAAAAAAAAAEAAAAAAAAAAEAAADn5uYKAAAAACgAAAAoAAAAZAAAAGQAAAAAAAAAzMzMAAAAAABQAAAAUAAAAGQAAABkAAAAAAAAABcAAAAUAAAAAAAAAAAAAAD/fwAA/38AAAAAAAAJAAAABAAAAAAAAAAeAAAAaAAAAAAAAAAAAAAAAAAAAAAAAAAAAAAAECcAABAnAAAAAAAAAAAAAAAAAAAAAAAAAAAAAAAAAAAAAAAAAAAAABQAAAAAAAAAwMD/AAAAAABkAAAAMgAAAAAAAABkAAAAAAAAAH9/fwAKAAAAIgAAABgAAAAAAAAAAAAAAAAAAAAAAAAAAAAAAAAAAAAkAAAAJAAAAAAAAAAHAAAAAAAAAAAAAAAAAAAAAAAAAAAAAAAAAAAAf39/ACUAAABYAAAAAAAAAAAAAAAAAAAAAAAAAAAAAAAAAAAAAAAAAAAAAAAAAAAAAAAAAAAAAAA/AAAAAAAAAKCGAQAAAAAAAAAAAAAAAAAMAAAAAQAAAAAAAAAAAAAAAAAAAB8AAABUAAAAAAAABQAAAAEAAAAAAAAAAAAAAAAAAAAAAAAAAAAAAAAAAAAAAAAAAAAAAAJ/f38AAAAAA8zMzADAwP8Af39/AAAAAAAAAAAAAAAAAAAAAAAAAAAAIQAAABgAAAAUAAAAwAMAAKcWAAA/RwAAUiIAABAAAAAmAAAACAAAAD0gAAAAAAAA"/>
               </a:ext>
             </a:extLst>
           </p:cNvSpPr>
@@ -6486,7 +6494,7 @@
 </file>
 
 <file path=ppt/slideMasters/slideMaster1.xml><?xml version="1.0" encoding="utf-8"?>
-<p:sldMaster xmlns:p="http://schemas.openxmlformats.org/presentationml/2006/main" xmlns:mc="http://schemas.openxmlformats.org/markup-compatibility/2006" xmlns:p14="http://schemas.microsoft.com/office/powerpoint/2010/main" xmlns:p15="http://schemas.microsoft.com/office/powerpoint/2012/main" xmlns:r="http://schemas.openxmlformats.org/officeDocument/2006/relationships" xmlns:a="http://schemas.openxmlformats.org/drawingml/2006/main">
+<p:sldMaster xmlns:a="http://schemas.openxmlformats.org/drawingml/2006/main" xmlns:r="http://schemas.openxmlformats.org/officeDocument/2006/relationships" xmlns:p="http://schemas.openxmlformats.org/presentationml/2006/main">
   <p:cSld>
     <p:bg>
       <p:bgPr>
@@ -6517,7 +6525,7 @@
             <a:spLocks noGrp="1" noChangeArrowheads="1"/>
             <a:extLst>
               <a:ext uri="smNativeData">
-                <pr:smNativeData xmlns:pr="smNativeData" xmlns="smNativeData" val="SMDATA_15_q5OGZBMAAAAlAAAAZAAAAA0AAAAAAAAAAAAAAAAAAAAAAAAAAAAAAAABAAAAAAAAAAEAAABQAAAAAAAAAAAA4D8AAAAAAADgPwAAAAAAAOA/AAAAAAAA4D8AAAAAAADgPwAAAAAAAOA/AAAAAAAA4D8AAAAAAADgPwAAAAAAAOA/AAAAAAAA4D8CAAAAjAAAAAAAAAAAAAAA////AP///wgAAAAAAAAAAAAAAAAAAAAAAAAAAAAAAAAAAAAAeAAAAAEAAABAAAAAAAAAAAAAAABaAAAAAAAAAAAAAAAAAAAAAAAAAAAAAAAAAAAAAAAAAAAAAAAAAAAAAAAAAAAAAAAAAAAAAAAAAAAAAAAAAAAAAAAAAAAAAAAAAAAAFAAAADwAAAAAAAAAAAAAAAAAAAAPAAAAAQAAACMAAAAjAAAAIwAAAB4AAAAAAAAAZAAAAGQAAAAAAAAAZAAAAGQAAAAVAAAAYAAAAAAAAAAAAAAADwAAACADAAAAAAAAAAAAAAEAAACgMgAAVgcAAKr4//8BAAAAf39/AAEAAABkAAAAAAAAABQAAABAHwAAAAAAACYAAAAAAAAAwOD//wAAAAAmAAAAZAAAABYAAABMAAAAAAAAAAAAAAAEAAAAAAAAAAEAAADn5uYKAAAAACgAAAAoAAAAZAAAAGQAAAAAAAAAzMzMAAAAAABQAAAAUAAAAGQAAABkAAAAAAAAABcAAAAUAAAAAAAAAAAAAAD/fwAA/38AAAAAAAAJAAAABAAAAAAAAAAeAAAAaAAAAAAAAAAAAAAAAAAAAAAAAAAAAAAAECcAABAnAAAAAAAAAAAAAAAAAAAAAAAAAAAAAAAAAAAAAAAAAAAAABQAAAAAAAAAwMD/AAAAAABkAAAAMgAAAAAAAABkAAAAAAAAAH9/fwAKAAAAIgAAABgAAAAAAAAAAAAAAAAAAAAAAAAAAAAAAAAAAAAkAAAAJAAAAAAAAAAHAAAAAAAAAAAAAAAAAAAAAAAAAAAAAAAAAAAAf39/ACUAAABYAAAAAAAAAAAAAAAAAAAAAAAAAAAAAAAAAAAAAAAAAAAAAAAAAAAAAAAAAAAAAAA/AAAAAAAAAKCGAQAAAAAAAAAAAAAAAAAMAAAAAQAAAAAAAAAAAAAAAAAAAB8AAABUAAAA////AAAAAAEAAAAAAAAAAAAAAAAAAAAAAAAAAAAAAAAAAAAAAAAAAAAAAAB/f38AAAAAA8zMzADAwP8Af39/AAAAAAAAAAAAAAAAAAAAAAAAAAAAIQAAABgAAAAUAAAAwAMAAK8BAAA/RwAAuQgAABAAAAAmAAAACAAAAL0vAAAAAAAA"/>
+                <pr:smNativeData xmlns="smNativeData" xmlns:pr="smNativeData" xmlns:p15="http://schemas.microsoft.com/office/powerpoint/2012/main" xmlns:p14="http://schemas.microsoft.com/office/powerpoint/2010/main" xmlns:mc="http://schemas.openxmlformats.org/markup-compatibility/2006" val="SMDATA_15_q5OGZBMAAAAlAAAAZAAAAA0AAAAAAAAAAAAAAAAAAAAAAAAAAAAAAAABAAAAAAAAAAEAAABQAAAAAAAAAAAA4D8AAAAAAADgPwAAAAAAAOA/AAAAAAAA4D8AAAAAAADgPwAAAAAAAOA/AAAAAAAA4D8AAAAAAADgPwAAAAAAAOA/AAAAAAAA4D8CAAAAjAAAAAAAAAAAAAAA////AP///wgAAAAAAAAAAAAAAAAAAAAAAAAAAAAAAAAAAAAAeAAAAAEAAABAAAAAAAAAAAAAAABaAAAAAAAAAAAAAAAAAAAAAAAAAAAAAAAAAAAAAAAAAAAAAAAAAAAAAAAAAAAAAAAAAAAAAAAAAAAAAAAAAAAAAAAAAAAAAAAAAAAAFAAAADwAAAAAAAAAAAAAAAAAAAAPAAAAAQAAACMAAAAjAAAAIwAAAB4AAAAAAAAAZAAAAGQAAAAAAAAAZAAAAGQAAAAVAAAAYAAAAAAAAAAAAAAADwAAACADAAAAAAAAAAAAAAEAAACgMgAAVgcAAKr4//8BAAAAf39/AAEAAABkAAAAAAAAABQAAABAHwAAAAAAACYAAAAAAAAAwOD//wAAAAAmAAAAZAAAABYAAABMAAAAAAAAAAAAAAAEAAAAAAAAAAEAAADn5uYKAAAAACgAAAAoAAAAZAAAAGQAAAAAAAAAzMzMAAAAAABQAAAAUAAAAGQAAABkAAAAAAAAABcAAAAUAAAAAAAAAAAAAAD/fwAA/38AAAAAAAAJAAAABAAAAAAAAAAeAAAAaAAAAAAAAAAAAAAAAAAAAAAAAAAAAAAAECcAABAnAAAAAAAAAAAAAAAAAAAAAAAAAAAAAAAAAAAAAAAAAAAAABQAAAAAAAAAwMD/AAAAAABkAAAAMgAAAAAAAABkAAAAAAAAAH9/fwAKAAAAIgAAABgAAAAAAAAAAAAAAAAAAAAAAAAAAAAAAAAAAAAkAAAAJAAAAAAAAAAHAAAAAAAAAAAAAAAAAAAAAAAAAAAAAAAAAAAAf39/ACUAAABYAAAAAAAAAAAAAAAAAAAAAAAAAAAAAAAAAAAAAAAAAAAAAAAAAAAAAAAAAAAAAAA/AAAAAAAAAKCGAQAAAAAAAAAAAAAAAAAMAAAAAQAAAAAAAAAAAAAAAAAAAB8AAABUAAAA////AAAAAAEAAAAAAAAAAAAAAAAAAAAAAAAAAAAAAAAAAAAAAAAAAAAAAAB/f38AAAAAA8zMzADAwP8Af39/AAAAAAAAAAAAAAAAAAAAAAAAAAAAIQAAABgAAAAUAAAAwAMAAK8BAAA/RwAAuQgAABAAAAAmAAAACAAAAL0vAAAAAAAA"/>
               </a:ext>
             </a:extLst>
           </p:cNvSpPr>
@@ -6549,7 +6557,6 @@
               <a:rPr lang="en-us" sz="1800" cap="none"/>
               <a:t>Clique para editar o formato do texto do título</a:t>
             </a:r>
-            <a:endParaRPr lang="en-us" sz="1800" cap="none"/>
           </a:p>
         </p:txBody>
       </p:sp>
@@ -6560,7 +6567,7 @@
             <a:spLocks noGrp="1" noChangeArrowheads="1"/>
             <a:extLst>
               <a:ext uri="smNativeData">
-                <pr:smNativeData xmlns:pr="smNativeData" xmlns="smNativeData" val="SMDATA_15_q5OGZBMAAAAlAAAAZAAAAA0AAAAAAAAAAAAAAAAAAAAAAAAAAAAAAAAAAAAAAAAAAAEAAABQAAAAAAAAAAAA4D8AAAAAAADgPwAAAAAAAOA/AAAAAAAA4D8AAAAAAADgPwAAAAAAAOA/AAAAAAAA4D8AAAAAAADgPwAAAAAAAOA/AAAAAAAA4D8CAAAAjAAAAAAAAAAAAAAA////AP///wgAAAAAAAAAAAAAAAAAAAAAAAAAAAAAAAAAAAAAeAAAAAEAAABAAAAAAAAAAAAAAABaAAAAAAAAAAAAAAAAAAAAAAAAAAAAAAAAAAAAAAAAAAAAAAAAAAAAAAAAAAAAAAAAAAAAAAAAAAAAAAAAAAAAAAAAAAAAAAAAAAAAFAAAADwAAAAAAAAAAAAAAAAAAAAPAAAAAQAAACMAAAAjAAAAIwAAAB4AAAAAAAAAZAAAAGQAAAAAAAAAZAAAAGQAAAAVAAAAYAAAAAAAAAAAAAAADwAAACADAAAAAAAAAAAAAAEAAACgMgAAVgcAAKr4//8BAAAAf39/AAEAAABkAAAAAAAAABQAAABAHwAAAAAAACYAAAAAAAAAwOD//wAAAAAmAAAAZAAAABYAAABMAAAAAAAAAAAAAAAEAAAAAAAAAAEAAADn5uYKAAAAACgAAAAoAAAAZAAAAGQAAAAAAAAAzMzMAAAAAABQAAAAUAAAAGQAAABkAAAAAAAAABcAAAAUAAAAAAAAAAAAAAD/fwAA/38AAAAAAAAJAAAABAAAAAAAAAAeAAAAaAAAAAAAAAAAAAAAAAAAAAAAAAAAAAAAECcAABAnAAAAAAAAAAAAAAAAAAAAAAAAAAAAAAAAAAAAAAAAAAAAABQAAAAAAAAAwMD/AAAAAABkAAAAMgAAAAAAAABkAAAAAAAAAH9/fwAKAAAAIgAAABgAAAAAAAAAAAAAAAAAAAAAAAAAAAAAAAAAAAAkAAAAJAAAAAAAAAAHAAAAAAAAAAAAAAAAAAAAAAAAAAAAAAAAAAAAf39/ACUAAABYAAAAAAAAAAAAAAAAAAAAAAAAAAAAAAAAAAAAAAAAAAAAAAAAAAAAAAAAAAAAAAA/AAAAAAAAAKCGAQAAAAAAAAAAAAAAAAAMAAAAAQAAAAAAAAAAAAAAAAAAAB8AAABUAAAA////AAAAAAEAAAAAAAAAAAAAAAAAAAAAAAAAAAAAAAAAAAAAAAAAAAAAAAB/f38AAAAAA8zMzADAwP8Af39/AAAAAAAAAAAAAAAAAAAAAAAAAAAAIQAAABgAAAAUAAAAwAMAAN8JAAA/RwAAViIAABAAAAAmAAAACAAAAD0vAAAAAAAA"/>
+                <pr:smNativeData xmlns="smNativeData" xmlns:pr="smNativeData" xmlns:p15="http://schemas.microsoft.com/office/powerpoint/2012/main" xmlns:p14="http://schemas.microsoft.com/office/powerpoint/2010/main" xmlns:mc="http://schemas.openxmlformats.org/markup-compatibility/2006" val="SMDATA_15_q5OGZBMAAAAlAAAAZAAAAA0AAAAAAAAAAAAAAAAAAAAAAAAAAAAAAAAAAAAAAAAAAAEAAABQAAAAAAAAAAAA4D8AAAAAAADgPwAAAAAAAOA/AAAAAAAA4D8AAAAAAADgPwAAAAAAAOA/AAAAAAAA4D8AAAAAAADgPwAAAAAAAOA/AAAAAAAA4D8CAAAAjAAAAAAAAAAAAAAA////AP///wgAAAAAAAAAAAAAAAAAAAAAAAAAAAAAAAAAAAAAeAAAAAEAAABAAAAAAAAAAAAAAABaAAAAAAAAAAAAAAAAAAAAAAAAAAAAAAAAAAAAAAAAAAAAAAAAAAAAAAAAAAAAAAAAAAAAAAAAAAAAAAAAAAAAAAAAAAAAAAAAAAAAFAAAADwAAAAAAAAAAAAAAAAAAAAPAAAAAQAAACMAAAAjAAAAIwAAAB4AAAAAAAAAZAAAAGQAAAAAAAAAZAAAAGQAAAAVAAAAYAAAAAAAAAAAAAAADwAAACADAAAAAAAAAAAAAAEAAACgMgAAVgcAAKr4//8BAAAAf39/AAEAAABkAAAAAAAAABQAAABAHwAAAAAAACYAAAAAAAAAwOD//wAAAAAmAAAAZAAAABYAAABMAAAAAAAAAAAAAAAEAAAAAAAAAAEAAADn5uYKAAAAACgAAAAoAAAAZAAAAGQAAAAAAAAAzMzMAAAAAABQAAAAUAAAAGQAAABkAAAAAAAAABcAAAAUAAAAAAAAAAAAAAD/fwAA/38AAAAAAAAJAAAABAAAAAAAAAAeAAAAaAAAAAAAAAAAAAAAAAAAAAAAAAAAAAAAECcAABAnAAAAAAAAAAAAAAAAAAAAAAAAAAAAAAAAAAAAAAAAAAAAABQAAAAAAAAAwMD/AAAAAABkAAAAMgAAAAAAAABkAAAAAAAAAH9/fwAKAAAAIgAAABgAAAAAAAAAAAAAAAAAAAAAAAAAAAAAAAAAAAAkAAAAJAAAAAAAAAAHAAAAAAAAAAAAAAAAAAAAAAAAAAAAAAAAAAAAf39/ACUAAABYAAAAAAAAAAAAAAAAAAAAAAAAAAAAAAAAAAAAAAAAAAAAAAAAAAAAAAAAAAAAAAA/AAAAAAAAAKCGAQAAAAAAAAAAAAAAAAAMAAAAAQAAAAAAAAAAAAAAAAAAAB8AAABUAAAA////AAAAAAEAAAAAAAAAAAAAAAAAAAAAAAAAAAAAAAAAAAAAAAAAAAAAAAB/f38AAAAAA8zMzADAwP8Af39/AAAAAAAAAAAAAAAAAAAAAAAAAAAAIQAAABgAAAAUAAAAwAMAAN8JAAA/RwAAViIAABAAAAAmAAAACAAAAD0vAAAAAAAA"/>
               </a:ext>
             </a:extLst>
           </p:cNvSpPr>
@@ -6593,7 +6600,7 @@
                 <a:srgbClr val="000000"/>
               </a:buClr>
               <a:buSzPts val="1440"/>
-              <a:buFont typeface="Wingdings" pitchFamily="0" charset="2"/>
+              <a:buFont typeface="Wingdings" charset="2"/>
               <a:buChar char=""/>
               <a:defRPr lang="pt-br"/>
             </a:pPr>
@@ -6601,10 +6608,9 @@
               <a:rPr lang="en-us" sz="3200" cap="none"/>
               <a:t>Clique para editar o formato do texto da estrutura de tópicos</a:t>
             </a:r>
-            <a:endParaRPr lang="en-us" sz="3200" cap="none"/>
-          </a:p>
-          <a:p>
-            <a:pPr lvl="1" marL="864235" indent="-323850">
+          </a:p>
+          <a:p>
+            <a:pPr marL="864235" lvl="1" indent="-323850">
               <a:spcBef>
                 <a:spcPts val="1130"/>
               </a:spcBef>
@@ -6620,10 +6626,9 @@
               <a:rPr lang="en-us" sz="2800" cap="none"/>
               <a:t>2.º nível da estrutura de tópicos</a:t>
             </a:r>
-            <a:endParaRPr lang="en-us" sz="2800" cap="none"/>
-          </a:p>
-          <a:p>
-            <a:pPr lvl="2" marL="1296035" indent="-288290">
+          </a:p>
+          <a:p>
+            <a:pPr marL="1296035" lvl="2" indent="-288290">
               <a:spcBef>
                 <a:spcPts val="850"/>
               </a:spcBef>
@@ -6631,7 +6636,7 @@
                 <a:srgbClr val="000000"/>
               </a:buClr>
               <a:buSzPts val="1080"/>
-              <a:buFont typeface="Wingdings" pitchFamily="0" charset="2"/>
+              <a:buFont typeface="Wingdings" charset="2"/>
               <a:buChar char=""/>
               <a:defRPr lang="pt-br"/>
             </a:pPr>
@@ -6639,10 +6644,9 @@
               <a:rPr lang="en-us" sz="2400" cap="none"/>
               <a:t>3.º nível da estrutura de tópicos</a:t>
             </a:r>
-            <a:endParaRPr lang="en-us" sz="2400" cap="none"/>
-          </a:p>
-          <a:p>
-            <a:pPr lvl="3" marL="1727835" indent="-215900">
+          </a:p>
+          <a:p>
+            <a:pPr marL="1727835" lvl="3" indent="-215900">
               <a:spcBef>
                 <a:spcPts val="565"/>
               </a:spcBef>
@@ -6658,10 +6662,9 @@
               <a:rPr lang="en-us" sz="2000" cap="none"/>
               <a:t>4.º nível da estrutura de tópicos</a:t>
             </a:r>
-            <a:endParaRPr lang="en-us" sz="2000" cap="none"/>
-          </a:p>
-          <a:p>
-            <a:pPr lvl="4" marL="2160270" indent="-215900">
+          </a:p>
+          <a:p>
+            <a:pPr marL="2160270" lvl="4" indent="-215900">
               <a:spcBef>
                 <a:spcPts val="280"/>
               </a:spcBef>
@@ -6669,7 +6672,7 @@
                 <a:srgbClr val="000000"/>
               </a:buClr>
               <a:buSzPts val="900"/>
-              <a:buFont typeface="Wingdings" pitchFamily="0" charset="2"/>
+              <a:buFont typeface="Wingdings" charset="2"/>
               <a:buChar char=""/>
               <a:defRPr lang="pt-br"/>
             </a:pPr>
@@ -6677,10 +6680,9 @@
               <a:rPr lang="en-us" sz="2000" cap="none"/>
               <a:t>5.º nível da estrutura de tópicos</a:t>
             </a:r>
-            <a:endParaRPr lang="en-us" sz="2000" cap="none"/>
-          </a:p>
-          <a:p>
-            <a:pPr lvl="5" marL="2592070" indent="-215900">
+          </a:p>
+          <a:p>
+            <a:pPr marL="2592070" lvl="5" indent="-215900">
               <a:spcBef>
                 <a:spcPts val="280"/>
               </a:spcBef>
@@ -6688,7 +6690,7 @@
                 <a:srgbClr val="000000"/>
               </a:buClr>
               <a:buSzPts val="900"/>
-              <a:buFont typeface="Wingdings" pitchFamily="0" charset="2"/>
+              <a:buFont typeface="Wingdings" charset="2"/>
               <a:buChar char=""/>
               <a:defRPr lang="pt-br"/>
             </a:pPr>
@@ -6696,10 +6698,9 @@
               <a:rPr lang="en-us" sz="2000" cap="none"/>
               <a:t>6.º nível da estrutura de tópicos</a:t>
             </a:r>
-            <a:endParaRPr lang="en-us" sz="2000" cap="none"/>
-          </a:p>
-          <a:p>
-            <a:pPr lvl="6" marL="3023870" indent="-215900">
+          </a:p>
+          <a:p>
+            <a:pPr marL="3023870" lvl="6" indent="-215900">
               <a:spcBef>
                 <a:spcPts val="280"/>
               </a:spcBef>
@@ -6707,7 +6708,7 @@
                 <a:srgbClr val="000000"/>
               </a:buClr>
               <a:buSzPts val="900"/>
-              <a:buFont typeface="Wingdings" pitchFamily="0" charset="2"/>
+              <a:buFont typeface="Wingdings" charset="2"/>
               <a:buChar char=""/>
               <a:defRPr lang="pt-br"/>
             </a:pPr>
@@ -6715,7 +6716,6 @@
               <a:rPr lang="en-us" sz="2000" cap="none"/>
               <a:t>7.º nível da estrutura de tópicos</a:t>
             </a:r>
-            <a:endParaRPr lang="en-us" sz="2000" cap="none"/>
           </a:p>
         </p:txBody>
       </p:sp>
@@ -6757,8 +6757,8 @@
           </a:solidFill>
           <a:effectLst/>
           <a:latin typeface="Arial" pitchFamily="2" charset="0"/>
-          <a:ea typeface="DejaVu Sans" pitchFamily="0" charset="0"/>
-          <a:cs typeface="DejaVu Sans" pitchFamily="0" charset="0"/>
+          <a:ea typeface="DejaVu Sans" charset="0"/>
+          <a:cs typeface="DejaVu Sans" charset="0"/>
         </a:defRPr>
       </a:lvl1pPr>
       <a:lvl2pPr marL="457200" marR="0" indent="0" algn="l" defTabSz="914400">
@@ -6779,8 +6779,8 @@
           </a:solidFill>
           <a:effectLst/>
           <a:latin typeface="Arial" pitchFamily="2" charset="0"/>
-          <a:ea typeface="DejaVu Sans" pitchFamily="0" charset="0"/>
-          <a:cs typeface="DejaVu Sans" pitchFamily="0" charset="0"/>
+          <a:ea typeface="DejaVu Sans" charset="0"/>
+          <a:cs typeface="DejaVu Sans" charset="0"/>
         </a:defRPr>
       </a:lvl2pPr>
       <a:lvl3pPr marL="914400" marR="0" indent="0" algn="l" defTabSz="914400">
@@ -6801,8 +6801,8 @@
           </a:solidFill>
           <a:effectLst/>
           <a:latin typeface="Arial" pitchFamily="2" charset="0"/>
-          <a:ea typeface="DejaVu Sans" pitchFamily="0" charset="0"/>
-          <a:cs typeface="DejaVu Sans" pitchFamily="0" charset="0"/>
+          <a:ea typeface="DejaVu Sans" charset="0"/>
+          <a:cs typeface="DejaVu Sans" charset="0"/>
         </a:defRPr>
       </a:lvl3pPr>
       <a:lvl4pPr marL="1371600" marR="0" indent="0" algn="l" defTabSz="914400">
@@ -6823,8 +6823,8 @@
           </a:solidFill>
           <a:effectLst/>
           <a:latin typeface="Arial" pitchFamily="2" charset="0"/>
-          <a:ea typeface="DejaVu Sans" pitchFamily="0" charset="0"/>
-          <a:cs typeface="DejaVu Sans" pitchFamily="0" charset="0"/>
+          <a:ea typeface="DejaVu Sans" charset="0"/>
+          <a:cs typeface="DejaVu Sans" charset="0"/>
         </a:defRPr>
       </a:lvl4pPr>
       <a:lvl5pPr marL="1828800" marR="0" indent="0" algn="l" defTabSz="914400">
@@ -6845,8 +6845,8 @@
           </a:solidFill>
           <a:effectLst/>
           <a:latin typeface="Arial" pitchFamily="2" charset="0"/>
-          <a:ea typeface="DejaVu Sans" pitchFamily="0" charset="0"/>
-          <a:cs typeface="DejaVu Sans" pitchFamily="0" charset="0"/>
+          <a:ea typeface="DejaVu Sans" charset="0"/>
+          <a:cs typeface="DejaVu Sans" charset="0"/>
         </a:defRPr>
       </a:lvl5pPr>
       <a:lvl6pPr marL="2286000" marR="0" indent="0" algn="l" defTabSz="914400">
@@ -6867,8 +6867,8 @@
           </a:solidFill>
           <a:effectLst/>
           <a:latin typeface="Arial" pitchFamily="2" charset="0"/>
-          <a:ea typeface="DejaVu Sans" pitchFamily="0" charset="0"/>
-          <a:cs typeface="DejaVu Sans" pitchFamily="0" charset="0"/>
+          <a:ea typeface="DejaVu Sans" charset="0"/>
+          <a:cs typeface="DejaVu Sans" charset="0"/>
         </a:defRPr>
       </a:lvl6pPr>
       <a:lvl7pPr marL="2743200" marR="0" indent="0" algn="l" defTabSz="914400">
@@ -6889,8 +6889,8 @@
           </a:solidFill>
           <a:effectLst/>
           <a:latin typeface="Arial" pitchFamily="2" charset="0"/>
-          <a:ea typeface="DejaVu Sans" pitchFamily="0" charset="0"/>
-          <a:cs typeface="DejaVu Sans" pitchFamily="0" charset="0"/>
+          <a:ea typeface="DejaVu Sans" charset="0"/>
+          <a:cs typeface="DejaVu Sans" charset="0"/>
         </a:defRPr>
       </a:lvl7pPr>
       <a:lvl8pPr marL="3200400" marR="0" indent="0" algn="l" defTabSz="914400">
@@ -6911,8 +6911,8 @@
           </a:solidFill>
           <a:effectLst/>
           <a:latin typeface="Arial" pitchFamily="2" charset="0"/>
-          <a:ea typeface="DejaVu Sans" pitchFamily="0" charset="0"/>
-          <a:cs typeface="DejaVu Sans" pitchFamily="0" charset="0"/>
+          <a:ea typeface="DejaVu Sans" charset="0"/>
+          <a:cs typeface="DejaVu Sans" charset="0"/>
         </a:defRPr>
       </a:lvl8pPr>
       <a:lvl9pPr marL="3657600" marR="0" indent="0" algn="l" defTabSz="914400">
@@ -6933,8 +6933,8 @@
           </a:solidFill>
           <a:effectLst/>
           <a:latin typeface="Arial" pitchFamily="2" charset="0"/>
-          <a:ea typeface="DejaVu Sans" pitchFamily="0" charset="0"/>
-          <a:cs typeface="DejaVu Sans" pitchFamily="0" charset="0"/>
+          <a:ea typeface="DejaVu Sans" charset="0"/>
+          <a:cs typeface="DejaVu Sans" charset="0"/>
         </a:defRPr>
       </a:lvl9pPr>
     </p:titleStyle>
@@ -6960,8 +6960,8 @@
           </a:solidFill>
           <a:effectLst/>
           <a:latin typeface="Arial" pitchFamily="2" charset="0"/>
-          <a:ea typeface="DejaVu Sans" pitchFamily="0" charset="0"/>
-          <a:cs typeface="DejaVu Sans" pitchFamily="0" charset="0"/>
+          <a:ea typeface="DejaVu Sans" charset="0"/>
+          <a:cs typeface="DejaVu Sans" charset="0"/>
         </a:defRPr>
       </a:lvl1pPr>
       <a:lvl2pPr marL="685800" marR="0" indent="-228600" algn="l" defTabSz="914400">
@@ -6985,8 +6985,8 @@
           </a:solidFill>
           <a:effectLst/>
           <a:latin typeface="Arial" pitchFamily="2" charset="0"/>
-          <a:ea typeface="DejaVu Sans" pitchFamily="0" charset="0"/>
-          <a:cs typeface="DejaVu Sans" pitchFamily="0" charset="0"/>
+          <a:ea typeface="DejaVu Sans" charset="0"/>
+          <a:cs typeface="DejaVu Sans" charset="0"/>
         </a:defRPr>
       </a:lvl2pPr>
       <a:lvl3pPr marL="1143000" marR="0" indent="-228600" algn="l" defTabSz="914400">
@@ -7010,8 +7010,8 @@
           </a:solidFill>
           <a:effectLst/>
           <a:latin typeface="Arial" pitchFamily="2" charset="0"/>
-          <a:ea typeface="DejaVu Sans" pitchFamily="0" charset="0"/>
-          <a:cs typeface="DejaVu Sans" pitchFamily="0" charset="0"/>
+          <a:ea typeface="DejaVu Sans" charset="0"/>
+          <a:cs typeface="DejaVu Sans" charset="0"/>
         </a:defRPr>
       </a:lvl3pPr>
       <a:lvl4pPr marL="1600200" marR="0" indent="-228600" algn="l" defTabSz="914400">
@@ -7035,8 +7035,8 @@
           </a:solidFill>
           <a:effectLst/>
           <a:latin typeface="Arial" pitchFamily="2" charset="0"/>
-          <a:ea typeface="DejaVu Sans" pitchFamily="0" charset="0"/>
-          <a:cs typeface="DejaVu Sans" pitchFamily="0" charset="0"/>
+          <a:ea typeface="DejaVu Sans" charset="0"/>
+          <a:cs typeface="DejaVu Sans" charset="0"/>
         </a:defRPr>
       </a:lvl4pPr>
       <a:lvl5pPr marL="2057400" marR="0" indent="-228600" algn="l" defTabSz="914400">
@@ -7060,8 +7060,8 @@
           </a:solidFill>
           <a:effectLst/>
           <a:latin typeface="Arial" pitchFamily="2" charset="0"/>
-          <a:ea typeface="DejaVu Sans" pitchFamily="0" charset="0"/>
-          <a:cs typeface="DejaVu Sans" pitchFamily="0" charset="0"/>
+          <a:ea typeface="DejaVu Sans" charset="0"/>
+          <a:cs typeface="DejaVu Sans" charset="0"/>
         </a:defRPr>
       </a:lvl5pPr>
       <a:lvl6pPr marL="2514600" marR="0" indent="-228600" algn="l" defTabSz="914400">
@@ -7085,8 +7085,8 @@
           </a:solidFill>
           <a:effectLst/>
           <a:latin typeface="Arial" pitchFamily="2" charset="0"/>
-          <a:ea typeface="DejaVu Sans" pitchFamily="0" charset="0"/>
-          <a:cs typeface="DejaVu Sans" pitchFamily="0" charset="0"/>
+          <a:ea typeface="DejaVu Sans" charset="0"/>
+          <a:cs typeface="DejaVu Sans" charset="0"/>
         </a:defRPr>
       </a:lvl6pPr>
       <a:lvl7pPr marL="2971800" marR="0" indent="-228600" algn="l" defTabSz="914400">
@@ -7110,8 +7110,8 @@
           </a:solidFill>
           <a:effectLst/>
           <a:latin typeface="Arial" pitchFamily="2" charset="0"/>
-          <a:ea typeface="DejaVu Sans" pitchFamily="0" charset="0"/>
-          <a:cs typeface="DejaVu Sans" pitchFamily="0" charset="0"/>
+          <a:ea typeface="DejaVu Sans" charset="0"/>
+          <a:cs typeface="DejaVu Sans" charset="0"/>
         </a:defRPr>
       </a:lvl7pPr>
       <a:lvl8pPr marL="3429000" marR="0" indent="-228600" algn="l" defTabSz="914400">
@@ -7135,8 +7135,8 @@
           </a:solidFill>
           <a:effectLst/>
           <a:latin typeface="Arial" pitchFamily="2" charset="0"/>
-          <a:ea typeface="DejaVu Sans" pitchFamily="0" charset="0"/>
-          <a:cs typeface="DejaVu Sans" pitchFamily="0" charset="0"/>
+          <a:ea typeface="DejaVu Sans" charset="0"/>
+          <a:cs typeface="DejaVu Sans" charset="0"/>
         </a:defRPr>
       </a:lvl8pPr>
       <a:lvl9pPr marL="3886200" marR="0" indent="-228600" algn="l" defTabSz="914400">
@@ -7160,8 +7160,8 @@
           </a:solidFill>
           <a:effectLst/>
           <a:latin typeface="Arial" pitchFamily="2" charset="0"/>
-          <a:ea typeface="DejaVu Sans" pitchFamily="0" charset="0"/>
-          <a:cs typeface="DejaVu Sans" pitchFamily="0" charset="0"/>
+          <a:ea typeface="DejaVu Sans" charset="0"/>
+          <a:cs typeface="DejaVu Sans" charset="0"/>
         </a:defRPr>
       </a:lvl9pPr>
     </p:bodyStyle>
@@ -7184,8 +7184,8 @@
           </a:solidFill>
           <a:effectLst/>
           <a:latin typeface="Arial" pitchFamily="2" charset="0"/>
-          <a:ea typeface="DejaVu Sans" pitchFamily="0" charset="0"/>
-          <a:cs typeface="DejaVu Sans" pitchFamily="0" charset="0"/>
+          <a:ea typeface="DejaVu Sans" charset="0"/>
+          <a:cs typeface="DejaVu Sans" charset="0"/>
         </a:defRPr>
       </a:lvl1pPr>
       <a:lvl2pPr marL="457200" marR="0" indent="0" algn="l" defTabSz="914400">
@@ -7206,8 +7206,8 @@
           </a:solidFill>
           <a:effectLst/>
           <a:latin typeface="Arial" pitchFamily="2" charset="0"/>
-          <a:ea typeface="DejaVu Sans" pitchFamily="0" charset="0"/>
-          <a:cs typeface="DejaVu Sans" pitchFamily="0" charset="0"/>
+          <a:ea typeface="DejaVu Sans" charset="0"/>
+          <a:cs typeface="DejaVu Sans" charset="0"/>
         </a:defRPr>
       </a:lvl2pPr>
       <a:lvl3pPr marL="914400" marR="0" indent="0" algn="l" defTabSz="914400">
@@ -7228,8 +7228,8 @@
           </a:solidFill>
           <a:effectLst/>
           <a:latin typeface="Arial" pitchFamily="2" charset="0"/>
-          <a:ea typeface="DejaVu Sans" pitchFamily="0" charset="0"/>
-          <a:cs typeface="DejaVu Sans" pitchFamily="0" charset="0"/>
+          <a:ea typeface="DejaVu Sans" charset="0"/>
+          <a:cs typeface="DejaVu Sans" charset="0"/>
         </a:defRPr>
       </a:lvl3pPr>
       <a:lvl4pPr marL="1371600" marR="0" indent="0" algn="l" defTabSz="914400">
@@ -7250,8 +7250,8 @@
           </a:solidFill>
           <a:effectLst/>
           <a:latin typeface="Arial" pitchFamily="2" charset="0"/>
-          <a:ea typeface="DejaVu Sans" pitchFamily="0" charset="0"/>
-          <a:cs typeface="DejaVu Sans" pitchFamily="0" charset="0"/>
+          <a:ea typeface="DejaVu Sans" charset="0"/>
+          <a:cs typeface="DejaVu Sans" charset="0"/>
         </a:defRPr>
       </a:lvl4pPr>
       <a:lvl5pPr marL="1828800" marR="0" indent="0" algn="l" defTabSz="914400">
@@ -7272,8 +7272,8 @@
           </a:solidFill>
           <a:effectLst/>
           <a:latin typeface="Arial" pitchFamily="2" charset="0"/>
-          <a:ea typeface="DejaVu Sans" pitchFamily="0" charset="0"/>
-          <a:cs typeface="DejaVu Sans" pitchFamily="0" charset="0"/>
+          <a:ea typeface="DejaVu Sans" charset="0"/>
+          <a:cs typeface="DejaVu Sans" charset="0"/>
         </a:defRPr>
       </a:lvl5pPr>
       <a:lvl6pPr marL="2286000" marR="0" indent="0" algn="l" defTabSz="914400">
@@ -7294,8 +7294,8 @@
           </a:solidFill>
           <a:effectLst/>
           <a:latin typeface="Arial" pitchFamily="2" charset="0"/>
-          <a:ea typeface="DejaVu Sans" pitchFamily="0" charset="0"/>
-          <a:cs typeface="DejaVu Sans" pitchFamily="0" charset="0"/>
+          <a:ea typeface="DejaVu Sans" charset="0"/>
+          <a:cs typeface="DejaVu Sans" charset="0"/>
         </a:defRPr>
       </a:lvl6pPr>
       <a:lvl7pPr marL="2743200" marR="0" indent="0" algn="l" defTabSz="914400">
@@ -7316,8 +7316,8 @@
           </a:solidFill>
           <a:effectLst/>
           <a:latin typeface="Arial" pitchFamily="2" charset="0"/>
-          <a:ea typeface="DejaVu Sans" pitchFamily="0" charset="0"/>
-          <a:cs typeface="DejaVu Sans" pitchFamily="0" charset="0"/>
+          <a:ea typeface="DejaVu Sans" charset="0"/>
+          <a:cs typeface="DejaVu Sans" charset="0"/>
         </a:defRPr>
       </a:lvl7pPr>
       <a:lvl8pPr marL="3200400" marR="0" indent="0" algn="l" defTabSz="914400">
@@ -7338,8 +7338,8 @@
           </a:solidFill>
           <a:effectLst/>
           <a:latin typeface="Arial" pitchFamily="2" charset="0"/>
-          <a:ea typeface="DejaVu Sans" pitchFamily="0" charset="0"/>
-          <a:cs typeface="DejaVu Sans" pitchFamily="0" charset="0"/>
+          <a:ea typeface="DejaVu Sans" charset="0"/>
+          <a:cs typeface="DejaVu Sans" charset="0"/>
         </a:defRPr>
       </a:lvl8pPr>
       <a:lvl9pPr marL="3657600" marR="0" indent="0" algn="l" defTabSz="914400">
@@ -7360,8 +7360,8 @@
           </a:solidFill>
           <a:effectLst/>
           <a:latin typeface="Arial" pitchFamily="2" charset="0"/>
-          <a:ea typeface="DejaVu Sans" pitchFamily="0" charset="0"/>
-          <a:cs typeface="DejaVu Sans" pitchFamily="0" charset="0"/>
+          <a:ea typeface="DejaVu Sans" charset="0"/>
+          <a:cs typeface="DejaVu Sans" charset="0"/>
         </a:defRPr>
       </a:lvl9pPr>
     </p:otherStyle>
@@ -7370,7 +7370,7 @@
 </file>
 
 <file path=ppt/slideMasters/slideMaster2.xml><?xml version="1.0" encoding="utf-8"?>
-<p:sldMaster xmlns:p="http://schemas.openxmlformats.org/presentationml/2006/main" xmlns:mc="http://schemas.openxmlformats.org/markup-compatibility/2006" xmlns:p14="http://schemas.microsoft.com/office/powerpoint/2010/main" xmlns:p15="http://schemas.microsoft.com/office/powerpoint/2012/main" xmlns:r="http://schemas.openxmlformats.org/officeDocument/2006/relationships" xmlns:a="http://schemas.openxmlformats.org/drawingml/2006/main">
+<p:sldMaster xmlns:a="http://schemas.openxmlformats.org/drawingml/2006/main" xmlns:r="http://schemas.openxmlformats.org/officeDocument/2006/relationships" xmlns:p="http://schemas.openxmlformats.org/presentationml/2006/main">
   <p:cSld>
     <p:bg>
       <p:bgPr>
@@ -7401,7 +7401,7 @@
             <a:spLocks noGrp="1" noChangeArrowheads="1"/>
             <a:extLst>
               <a:ext uri="smNativeData">
-                <pr:smNativeData xmlns:pr="smNativeData" xmlns="smNativeData" val="SMDATA_15_q5OGZBMAAAAlAAAAZAAAAA0AAAAAAAAAAAAAAAAAAAAAAAAAAAAAAAABAAAAAAAAAAEAAABQAAAAAAAAAAAA4D8AAAAAAADgPwAAAAAAAOA/AAAAAAAA4D8AAAAAAADgPwAAAAAAAOA/AAAAAAAA4D8AAAAAAADgPwAAAAAAAOA/AAAAAAAA4D8CAAAAjAAAAAAAAAAAAAAA////AP///wgAAAAAAAAAAAAAAAAAAAAAAAAAAAAAAAAAAAAAeAAAAAEAAABAAAAAAAAAAAAAAABaAAAAAAAAAAAAAAAAAAAAAAAAAAAAAAAAAAAAAAAAAAAAAAAAAAAAAAAAAAAAAAAAAAAAAAAAAAAAAAAAAAAAAAAAAAAAAAAAAAAAFAAAADwAAAAAAAAAAAAAAAAAAAAPAAAAAQAAACMAAAAjAAAAIwAAAB4AAAAAAAAAZAAAAGQAAAAAAAAAZAAAAGQAAAAVAAAAYAAAAAAAAAAAAAAADwAAACADAAAAAAAAAAAAAAEAAACgMgAAVgcAAKr4//8BAAAAf39/AAEAAABkAAAAAAAAABQAAABAHwAAAAAAACYAAAAAAAAAwOD//wAAAAAmAAAAZAAAABYAAABMAAAAAAAAAAAAAAAEAAAAAAAAAAEAAADn5uYKAAAAACgAAAAoAAAAZAAAAGQAAAAAAAAAzMzMAAAAAABQAAAAUAAAAGQAAABkAAAAAAAAABcAAAAUAAAAAAAAAAAAAAD/fwAA/38AAAAAAAAJAAAABAAAAAAAAAAeAAAAaAAAAAAAAAAAAAAAAAAAAAAAAAAAAAAAECcAABAnAAAAAAAAAAAAAAAAAAAAAAAAAAAAAAAAAAAAAAAAAAAAABQAAAAAAAAAwMD/AAAAAABkAAAAMgAAAAAAAABkAAAAAAAAAH9/fwAKAAAAIgAAABgAAAAAAAAAAAAAAAAAAAAAAAAAAAAAAAAAAAAkAAAAJAAAAAAAAAAHAAAAAAAAAAAAAAAAAAAAAAAAAAAAAAAAAAAAf39/ACUAAABYAAAAAAAAAAAAAAAAAAAAAAAAAAAAAAAAAAAAAAAAAAAAAAAAAAAAAAAAAAAAAAA/AAAAAAAAAKCGAQAAAAAAAAAAAAAAAAAMAAAAAQAAAAAAAAAAAAAAAAAAAB8AAABUAAAA////AAAAAAEAAAAAAAAAAAAAAAAAAAAAAAAAAAAAAAAAAAAAAAAAAAAAAAB/f38AAAAAA8zMzADAwP8Af39/AAAAAAAAAAAAAAAAAAAAAAAAAAAAIQAAABgAAAAUAAAAwAMAAK8BAAA/RwAAuQgAABAAAAAmAAAACAAAAL0vAAAAAAAA"/>
+                <pr:smNativeData xmlns="smNativeData" xmlns:pr="smNativeData" xmlns:p15="http://schemas.microsoft.com/office/powerpoint/2012/main" xmlns:p14="http://schemas.microsoft.com/office/powerpoint/2010/main" xmlns:mc="http://schemas.openxmlformats.org/markup-compatibility/2006" val="SMDATA_15_q5OGZBMAAAAlAAAAZAAAAA0AAAAAAAAAAAAAAAAAAAAAAAAAAAAAAAABAAAAAAAAAAEAAABQAAAAAAAAAAAA4D8AAAAAAADgPwAAAAAAAOA/AAAAAAAA4D8AAAAAAADgPwAAAAAAAOA/AAAAAAAA4D8AAAAAAADgPwAAAAAAAOA/AAAAAAAA4D8CAAAAjAAAAAAAAAAAAAAA////AP///wgAAAAAAAAAAAAAAAAAAAAAAAAAAAAAAAAAAAAAeAAAAAEAAABAAAAAAAAAAAAAAABaAAAAAAAAAAAAAAAAAAAAAAAAAAAAAAAAAAAAAAAAAAAAAAAAAAAAAAAAAAAAAAAAAAAAAAAAAAAAAAAAAAAAAAAAAAAAAAAAAAAAFAAAADwAAAAAAAAAAAAAAAAAAAAPAAAAAQAAACMAAAAjAAAAIwAAAB4AAAAAAAAAZAAAAGQAAAAAAAAAZAAAAGQAAAAVAAAAYAAAAAAAAAAAAAAADwAAACADAAAAAAAAAAAAAAEAAACgMgAAVgcAAKr4//8BAAAAf39/AAEAAABkAAAAAAAAABQAAABAHwAAAAAAACYAAAAAAAAAwOD//wAAAAAmAAAAZAAAABYAAABMAAAAAAAAAAAAAAAEAAAAAAAAAAEAAADn5uYKAAAAACgAAAAoAAAAZAAAAGQAAAAAAAAAzMzMAAAAAABQAAAAUAAAAGQAAABkAAAAAAAAABcAAAAUAAAAAAAAAAAAAAD/fwAA/38AAAAAAAAJAAAABAAAAAAAAAAeAAAAaAAAAAAAAAAAAAAAAAAAAAAAAAAAAAAAECcAABAnAAAAAAAAAAAAAAAAAAAAAAAAAAAAAAAAAAAAAAAAAAAAABQAAAAAAAAAwMD/AAAAAABkAAAAMgAAAAAAAABkAAAAAAAAAH9/fwAKAAAAIgAAABgAAAAAAAAAAAAAAAAAAAAAAAAAAAAAAAAAAAAkAAAAJAAAAAAAAAAHAAAAAAAAAAAAAAAAAAAAAAAAAAAAAAAAAAAAf39/ACUAAABYAAAAAAAAAAAAAAAAAAAAAAAAAAAAAAAAAAAAAAAAAAAAAAAAAAAAAAAAAAAAAAA/AAAAAAAAAKCGAQAAAAAAAAAAAAAAAAAMAAAAAQAAAAAAAAAAAAAAAAAAAB8AAABUAAAA////AAAAAAEAAAAAAAAAAAAAAAAAAAAAAAAAAAAAAAAAAAAAAAAAAAAAAAB/f38AAAAAA8zMzADAwP8Af39/AAAAAAAAAAAAAAAAAAAAAAAAAAAAIQAAABgAAAAUAAAAwAMAAK8BAAA/RwAAuQgAABAAAAAmAAAACAAAAL0vAAAAAAAA"/>
               </a:ext>
             </a:extLst>
           </p:cNvSpPr>
@@ -7433,7 +7433,6 @@
               <a:rPr lang="en-us" sz="1800" cap="none"/>
               <a:t>Clique para editar o formato do texto do título</a:t>
             </a:r>
-            <a:endParaRPr lang="en-us" sz="1800" cap="none"/>
           </a:p>
         </p:txBody>
       </p:sp>
@@ -7444,7 +7443,7 @@
             <a:spLocks noGrp="1" noChangeArrowheads="1"/>
             <a:extLst>
               <a:ext uri="smNativeData">
-                <pr:smNativeData xmlns:pr="smNativeData" xmlns="smNativeData" val="SMDATA_15_q5OGZBMAAAAlAAAAZAAAAA0AAAAAAAAAAAAAAAAAAAAAAAAAAAAAAAAAAAAAAAAAAAEAAABQAAAAAAAAAAAA4D8AAAAAAADgPwAAAAAAAOA/AAAAAAAA4D8AAAAAAADgPwAAAAAAAOA/AAAAAAAA4D8AAAAAAADgPwAAAAAAAOA/AAAAAAAA4D8CAAAAjAAAAAAAAAAAAAAA////AP///wgAAAAAAAAAAAAAAAAAAAAAAAAAAAAAAAAAAAAAeAAAAAEAAABAAAAAAAAAAAAAAABaAAAAAAAAAAAAAAAAAAAAAAAAAAAAAAAAAAAAAAAAAAAAAAAAAAAAAAAAAAAAAAAAAAAAAAAAAAAAAAAAAAAAAAAAAAAAAAAAAAAAFAAAADwAAAAAAAAAAAAAAAAAAAAPAAAAAQAAACMAAAAjAAAAIwAAAB4AAAAAAAAAZAAAAGQAAAAAAAAAZAAAAGQAAAAVAAAAYAAAAAAAAAAAAAAADwAAACADAAAAAAAAAAAAAAEAAACgMgAAVgcAAKr4//8BAAAAf39/AAEAAABkAAAAAAAAABQAAABAHwAAAAAAACYAAAAAAAAAwOD//wAAAAAmAAAAZAAAABYAAABMAAAAAAAAAAAAAAAEAAAAAAAAAAEAAADn5uYKAAAAACgAAAAoAAAAZAAAAGQAAAAAAAAAzMzMAAAAAABQAAAAUAAAAGQAAABkAAAAAAAAABcAAAAUAAAAAAAAAAAAAAD/fwAA/38AAAAAAAAJAAAABAAAAAAAAAAeAAAAaAAAAAAAAAAAAAAAAAAAAAAAAAAAAAAAECcAABAnAAAAAAAAAAAAAAAAAAAAAAAAAAAAAAAAAAAAAAAAAAAAABQAAAAAAAAAwMD/AAAAAABkAAAAMgAAAAAAAABkAAAAAAAAAH9/fwAKAAAAIgAAABgAAAAAAAAAAAAAAAAAAAAAAAAAAAAAAAAAAAAkAAAAJAAAAAAAAAAHAAAAAAAAAAAAAAAAAAAAAAAAAAAAAAAAAAAAf39/ACUAAABYAAAAAAAAAAAAAAAAAAAAAAAAAAAAAAAAAAAAAAAAAAAAAAAAAAAAAAAAAAAAAAA/AAAAAAAAAKCGAQAAAAAAAAAAAAAAAAAMAAAAAQAAAAAAAAAAAAAAAAAAAB8AAABUAAAA////AAAAAAEAAAAAAAAAAAAAAAAAAAAAAAAAAAAAAAAAAAAAAAAAAAAAAAB/f38AAAAAA8zMzADAwP8Af39/AAAAAAAAAAAAAAAAAAAAAAAAAAAAIQAAABgAAAAUAAAAwAMAAN8JAAA/RwAAViIAABAAAAAmAAAACAAAAD0vAAAAAAAA"/>
+                <pr:smNativeData xmlns="smNativeData" xmlns:pr="smNativeData" xmlns:p15="http://schemas.microsoft.com/office/powerpoint/2012/main" xmlns:p14="http://schemas.microsoft.com/office/powerpoint/2010/main" xmlns:mc="http://schemas.openxmlformats.org/markup-compatibility/2006" val="SMDATA_15_q5OGZBMAAAAlAAAAZAAAAA0AAAAAAAAAAAAAAAAAAAAAAAAAAAAAAAAAAAAAAAAAAAEAAABQAAAAAAAAAAAA4D8AAAAAAADgPwAAAAAAAOA/AAAAAAAA4D8AAAAAAADgPwAAAAAAAOA/AAAAAAAA4D8AAAAAAADgPwAAAAAAAOA/AAAAAAAA4D8CAAAAjAAAAAAAAAAAAAAA////AP///wgAAAAAAAAAAAAAAAAAAAAAAAAAAAAAAAAAAAAAeAAAAAEAAABAAAAAAAAAAAAAAABaAAAAAAAAAAAAAAAAAAAAAAAAAAAAAAAAAAAAAAAAAAAAAAAAAAAAAAAAAAAAAAAAAAAAAAAAAAAAAAAAAAAAAAAAAAAAAAAAAAAAFAAAADwAAAAAAAAAAAAAAAAAAAAPAAAAAQAAACMAAAAjAAAAIwAAAB4AAAAAAAAAZAAAAGQAAAAAAAAAZAAAAGQAAAAVAAAAYAAAAAAAAAAAAAAADwAAACADAAAAAAAAAAAAAAEAAACgMgAAVgcAAKr4//8BAAAAf39/AAEAAABkAAAAAAAAABQAAABAHwAAAAAAACYAAAAAAAAAwOD//wAAAAAmAAAAZAAAABYAAABMAAAAAAAAAAAAAAAEAAAAAAAAAAEAAADn5uYKAAAAACgAAAAoAAAAZAAAAGQAAAAAAAAAzMzMAAAAAABQAAAAUAAAAGQAAABkAAAAAAAAABcAAAAUAAAAAAAAAAAAAAD/fwAA/38AAAAAAAAJAAAABAAAAAAAAAAeAAAAaAAAAAAAAAAAAAAAAAAAAAAAAAAAAAAAECcAABAnAAAAAAAAAAAAAAAAAAAAAAAAAAAAAAAAAAAAAAAAAAAAABQAAAAAAAAAwMD/AAAAAABkAAAAMgAAAAAAAABkAAAAAAAAAH9/fwAKAAAAIgAAABgAAAAAAAAAAAAAAAAAAAAAAAAAAAAAAAAAAAAkAAAAJAAAAAAAAAAHAAAAAAAAAAAAAAAAAAAAAAAAAAAAAAAAAAAAf39/ACUAAABYAAAAAAAAAAAAAAAAAAAAAAAAAAAAAAAAAAAAAAAAAAAAAAAAAAAAAAAAAAAAAAA/AAAAAAAAAKCGAQAAAAAAAAAAAAAAAAAMAAAAAQAAAAAAAAAAAAAAAAAAAB8AAABUAAAA////AAAAAAEAAAAAAAAAAAAAAAAAAAAAAAAAAAAAAAAAAAAAAAAAAAAAAAB/f38AAAAAA8zMzADAwP8Af39/AAAAAAAAAAAAAAAAAAAAAAAAAAAAIQAAABgAAAAUAAAAwAMAAN8JAAA/RwAAViIAABAAAAAmAAAACAAAAD0vAAAAAAAA"/>
               </a:ext>
             </a:extLst>
           </p:cNvSpPr>
@@ -7477,7 +7476,7 @@
                 <a:srgbClr val="000000"/>
               </a:buClr>
               <a:buSzPts val="810"/>
-              <a:buFont typeface="Wingdings" pitchFamily="0" charset="2"/>
+              <a:buFont typeface="Wingdings" charset="2"/>
               <a:buChar char=""/>
               <a:defRPr lang="pt-br"/>
             </a:pPr>
@@ -7485,10 +7484,9 @@
               <a:rPr lang="en-us" sz="1800" cap="none"/>
               <a:t>Clique para editar o formato do texto da estrutura de tópicos</a:t>
             </a:r>
-            <a:endParaRPr lang="en-us" sz="1800" cap="none"/>
-          </a:p>
-          <a:p>
-            <a:pPr lvl="1" marL="864235" indent="-323850" algn="ctr">
+          </a:p>
+          <a:p>
+            <a:pPr marL="864235" lvl="1" indent="-323850" algn="ctr">
               <a:spcBef>
                 <a:spcPts val="1130"/>
               </a:spcBef>
@@ -7504,10 +7502,9 @@
               <a:rPr lang="en-us" sz="1800" cap="none"/>
               <a:t>2.º nível da estrutura de tópicos</a:t>
             </a:r>
-            <a:endParaRPr lang="en-us" sz="1800" cap="none"/>
-          </a:p>
-          <a:p>
-            <a:pPr lvl="2" marL="1296035" indent="-288290" algn="ctr">
+          </a:p>
+          <a:p>
+            <a:pPr marL="1296035" lvl="2" indent="-288290" algn="ctr">
               <a:spcBef>
                 <a:spcPts val="850"/>
               </a:spcBef>
@@ -7515,7 +7512,7 @@
                 <a:srgbClr val="000000"/>
               </a:buClr>
               <a:buSzPts val="810"/>
-              <a:buFont typeface="Wingdings" pitchFamily="0" charset="2"/>
+              <a:buFont typeface="Wingdings" charset="2"/>
               <a:buChar char=""/>
               <a:defRPr lang="pt-br"/>
             </a:pPr>
@@ -7523,10 +7520,9 @@
               <a:rPr lang="en-us" sz="1800" cap="none"/>
               <a:t>3.º nível da estrutura de tópicos</a:t>
             </a:r>
-            <a:endParaRPr lang="en-us" sz="1800" cap="none"/>
-          </a:p>
-          <a:p>
-            <a:pPr lvl="3" marL="1727835" indent="-215900" algn="ctr">
+          </a:p>
+          <a:p>
+            <a:pPr marL="1727835" lvl="3" indent="-215900" algn="ctr">
               <a:spcBef>
                 <a:spcPts val="565"/>
               </a:spcBef>
@@ -7542,10 +7538,9 @@
               <a:rPr lang="en-us" cap="none"/>
               <a:t>4.º nível da estrutura de tópicos</a:t>
             </a:r>
-            <a:endParaRPr lang="en-us" cap="none"/>
-          </a:p>
-          <a:p>
-            <a:pPr lvl="4" marL="2160270" indent="-215900" algn="ctr">
+          </a:p>
+          <a:p>
+            <a:pPr marL="2160270" lvl="4" indent="-215900" algn="ctr">
               <a:spcBef>
                 <a:spcPts val="280"/>
               </a:spcBef>
@@ -7553,7 +7548,7 @@
                 <a:srgbClr val="000000"/>
               </a:buClr>
               <a:buSzPts val="810"/>
-              <a:buFont typeface="Wingdings" pitchFamily="0" charset="2"/>
+              <a:buFont typeface="Wingdings" charset="2"/>
               <a:buChar char=""/>
               <a:defRPr lang="pt-br"/>
             </a:pPr>
@@ -7561,10 +7556,9 @@
               <a:rPr lang="en-us" cap="none"/>
               <a:t>5.º nível da estrutura de tópicos</a:t>
             </a:r>
-            <a:endParaRPr lang="en-us" cap="none"/>
-          </a:p>
-          <a:p>
-            <a:pPr lvl="5" marL="2592070" indent="-215900" algn="ctr">
+          </a:p>
+          <a:p>
+            <a:pPr marL="2592070" lvl="5" indent="-215900" algn="ctr">
               <a:spcBef>
                 <a:spcPts val="280"/>
               </a:spcBef>
@@ -7572,7 +7566,7 @@
                 <a:srgbClr val="000000"/>
               </a:buClr>
               <a:buSzPts val="810"/>
-              <a:buFont typeface="Wingdings" pitchFamily="0" charset="2"/>
+              <a:buFont typeface="Wingdings" charset="2"/>
               <a:buChar char=""/>
               <a:defRPr lang="pt-br"/>
             </a:pPr>
@@ -7580,10 +7574,9 @@
               <a:rPr lang="en-us" cap="none"/>
               <a:t>6.º nível da estrutura de tópicos</a:t>
             </a:r>
-            <a:endParaRPr lang="en-us" cap="none"/>
-          </a:p>
-          <a:p>
-            <a:pPr lvl="6" marL="3023870" indent="-215900" algn="ctr">
+          </a:p>
+          <a:p>
+            <a:pPr marL="3023870" lvl="6" indent="-215900" algn="ctr">
               <a:spcBef>
                 <a:spcPts val="280"/>
               </a:spcBef>
@@ -7591,7 +7584,7 @@
                 <a:srgbClr val="000000"/>
               </a:buClr>
               <a:buSzPts val="810"/>
-              <a:buFont typeface="Wingdings" pitchFamily="0" charset="2"/>
+              <a:buFont typeface="Wingdings" charset="2"/>
               <a:buChar char=""/>
               <a:defRPr lang="pt-br"/>
             </a:pPr>
@@ -7599,7 +7592,6 @@
               <a:rPr lang="en-us" cap="none"/>
               <a:t>7.º nível da estrutura de tópicos</a:t>
             </a:r>
-            <a:endParaRPr lang="en-us" cap="none"/>
           </a:p>
         </p:txBody>
       </p:sp>
@@ -7641,8 +7633,8 @@
           </a:solidFill>
           <a:effectLst/>
           <a:latin typeface="Arial" pitchFamily="2" charset="0"/>
-          <a:ea typeface="DejaVu Sans" pitchFamily="0" charset="0"/>
-          <a:cs typeface="DejaVu Sans" pitchFamily="0" charset="0"/>
+          <a:ea typeface="DejaVu Sans" charset="0"/>
+          <a:cs typeface="DejaVu Sans" charset="0"/>
         </a:defRPr>
       </a:lvl1pPr>
       <a:lvl2pPr marL="457200" marR="0" indent="0" algn="l" defTabSz="914400">
@@ -7663,8 +7655,8 @@
           </a:solidFill>
           <a:effectLst/>
           <a:latin typeface="Arial" pitchFamily="2" charset="0"/>
-          <a:ea typeface="DejaVu Sans" pitchFamily="0" charset="0"/>
-          <a:cs typeface="DejaVu Sans" pitchFamily="0" charset="0"/>
+          <a:ea typeface="DejaVu Sans" charset="0"/>
+          <a:cs typeface="DejaVu Sans" charset="0"/>
         </a:defRPr>
       </a:lvl2pPr>
       <a:lvl3pPr marL="914400" marR="0" indent="0" algn="l" defTabSz="914400">
@@ -7685,8 +7677,8 @@
           </a:solidFill>
           <a:effectLst/>
           <a:latin typeface="Arial" pitchFamily="2" charset="0"/>
-          <a:ea typeface="DejaVu Sans" pitchFamily="0" charset="0"/>
-          <a:cs typeface="DejaVu Sans" pitchFamily="0" charset="0"/>
+          <a:ea typeface="DejaVu Sans" charset="0"/>
+          <a:cs typeface="DejaVu Sans" charset="0"/>
         </a:defRPr>
       </a:lvl3pPr>
       <a:lvl4pPr marL="1371600" marR="0" indent="0" algn="l" defTabSz="914400">
@@ -7707,8 +7699,8 @@
           </a:solidFill>
           <a:effectLst/>
           <a:latin typeface="Arial" pitchFamily="2" charset="0"/>
-          <a:ea typeface="DejaVu Sans" pitchFamily="0" charset="0"/>
-          <a:cs typeface="DejaVu Sans" pitchFamily="0" charset="0"/>
+          <a:ea typeface="DejaVu Sans" charset="0"/>
+          <a:cs typeface="DejaVu Sans" charset="0"/>
         </a:defRPr>
       </a:lvl4pPr>
       <a:lvl5pPr marL="1828800" marR="0" indent="0" algn="l" defTabSz="914400">
@@ -7729,8 +7721,8 @@
           </a:solidFill>
           <a:effectLst/>
           <a:latin typeface="Arial" pitchFamily="2" charset="0"/>
-          <a:ea typeface="DejaVu Sans" pitchFamily="0" charset="0"/>
-          <a:cs typeface="DejaVu Sans" pitchFamily="0" charset="0"/>
+          <a:ea typeface="DejaVu Sans" charset="0"/>
+          <a:cs typeface="DejaVu Sans" charset="0"/>
         </a:defRPr>
       </a:lvl5pPr>
       <a:lvl6pPr marL="2286000" marR="0" indent="0" algn="l" defTabSz="914400">
@@ -7751,8 +7743,8 @@
           </a:solidFill>
           <a:effectLst/>
           <a:latin typeface="Arial" pitchFamily="2" charset="0"/>
-          <a:ea typeface="DejaVu Sans" pitchFamily="0" charset="0"/>
-          <a:cs typeface="DejaVu Sans" pitchFamily="0" charset="0"/>
+          <a:ea typeface="DejaVu Sans" charset="0"/>
+          <a:cs typeface="DejaVu Sans" charset="0"/>
         </a:defRPr>
       </a:lvl6pPr>
       <a:lvl7pPr marL="2743200" marR="0" indent="0" algn="l" defTabSz="914400">
@@ -7773,8 +7765,8 @@
           </a:solidFill>
           <a:effectLst/>
           <a:latin typeface="Arial" pitchFamily="2" charset="0"/>
-          <a:ea typeface="DejaVu Sans" pitchFamily="0" charset="0"/>
-          <a:cs typeface="DejaVu Sans" pitchFamily="0" charset="0"/>
+          <a:ea typeface="DejaVu Sans" charset="0"/>
+          <a:cs typeface="DejaVu Sans" charset="0"/>
         </a:defRPr>
       </a:lvl7pPr>
       <a:lvl8pPr marL="3200400" marR="0" indent="0" algn="l" defTabSz="914400">
@@ -7795,8 +7787,8 @@
           </a:solidFill>
           <a:effectLst/>
           <a:latin typeface="Arial" pitchFamily="2" charset="0"/>
-          <a:ea typeface="DejaVu Sans" pitchFamily="0" charset="0"/>
-          <a:cs typeface="DejaVu Sans" pitchFamily="0" charset="0"/>
+          <a:ea typeface="DejaVu Sans" charset="0"/>
+          <a:cs typeface="DejaVu Sans" charset="0"/>
         </a:defRPr>
       </a:lvl8pPr>
       <a:lvl9pPr marL="3657600" marR="0" indent="0" algn="l" defTabSz="914400">
@@ -7817,8 +7809,8 @@
           </a:solidFill>
           <a:effectLst/>
           <a:latin typeface="Arial" pitchFamily="2" charset="0"/>
-          <a:ea typeface="DejaVu Sans" pitchFamily="0" charset="0"/>
-          <a:cs typeface="DejaVu Sans" pitchFamily="0" charset="0"/>
+          <a:ea typeface="DejaVu Sans" charset="0"/>
+          <a:cs typeface="DejaVu Sans" charset="0"/>
         </a:defRPr>
       </a:lvl9pPr>
     </p:titleStyle>
@@ -7844,8 +7836,8 @@
           </a:solidFill>
           <a:effectLst/>
           <a:latin typeface="Arial" pitchFamily="2" charset="0"/>
-          <a:ea typeface="DejaVu Sans" pitchFamily="0" charset="0"/>
-          <a:cs typeface="DejaVu Sans" pitchFamily="0" charset="0"/>
+          <a:ea typeface="DejaVu Sans" charset="0"/>
+          <a:cs typeface="DejaVu Sans" charset="0"/>
         </a:defRPr>
       </a:lvl1pPr>
       <a:lvl2pPr marL="685800" marR="0" indent="-228600" algn="l" defTabSz="914400">
@@ -7869,8 +7861,8 @@
           </a:solidFill>
           <a:effectLst/>
           <a:latin typeface="Arial" pitchFamily="2" charset="0"/>
-          <a:ea typeface="DejaVu Sans" pitchFamily="0" charset="0"/>
-          <a:cs typeface="DejaVu Sans" pitchFamily="0" charset="0"/>
+          <a:ea typeface="DejaVu Sans" charset="0"/>
+          <a:cs typeface="DejaVu Sans" charset="0"/>
         </a:defRPr>
       </a:lvl2pPr>
       <a:lvl3pPr marL="1143000" marR="0" indent="-228600" algn="l" defTabSz="914400">
@@ -7894,8 +7886,8 @@
           </a:solidFill>
           <a:effectLst/>
           <a:latin typeface="Arial" pitchFamily="2" charset="0"/>
-          <a:ea typeface="DejaVu Sans" pitchFamily="0" charset="0"/>
-          <a:cs typeface="DejaVu Sans" pitchFamily="0" charset="0"/>
+          <a:ea typeface="DejaVu Sans" charset="0"/>
+          <a:cs typeface="DejaVu Sans" charset="0"/>
         </a:defRPr>
       </a:lvl3pPr>
       <a:lvl4pPr marL="1600200" marR="0" indent="-228600" algn="l" defTabSz="914400">
@@ -7919,8 +7911,8 @@
           </a:solidFill>
           <a:effectLst/>
           <a:latin typeface="Arial" pitchFamily="2" charset="0"/>
-          <a:ea typeface="DejaVu Sans" pitchFamily="0" charset="0"/>
-          <a:cs typeface="DejaVu Sans" pitchFamily="0" charset="0"/>
+          <a:ea typeface="DejaVu Sans" charset="0"/>
+          <a:cs typeface="DejaVu Sans" charset="0"/>
         </a:defRPr>
       </a:lvl4pPr>
       <a:lvl5pPr marL="2057400" marR="0" indent="-228600" algn="l" defTabSz="914400">
@@ -7944,8 +7936,8 @@
           </a:solidFill>
           <a:effectLst/>
           <a:latin typeface="Arial" pitchFamily="2" charset="0"/>
-          <a:ea typeface="DejaVu Sans" pitchFamily="0" charset="0"/>
-          <a:cs typeface="DejaVu Sans" pitchFamily="0" charset="0"/>
+          <a:ea typeface="DejaVu Sans" charset="0"/>
+          <a:cs typeface="DejaVu Sans" charset="0"/>
         </a:defRPr>
       </a:lvl5pPr>
       <a:lvl6pPr marL="2514600" marR="0" indent="-228600" algn="l" defTabSz="914400">
@@ -7969,8 +7961,8 @@
           </a:solidFill>
           <a:effectLst/>
           <a:latin typeface="Arial" pitchFamily="2" charset="0"/>
-          <a:ea typeface="DejaVu Sans" pitchFamily="0" charset="0"/>
-          <a:cs typeface="DejaVu Sans" pitchFamily="0" charset="0"/>
+          <a:ea typeface="DejaVu Sans" charset="0"/>
+          <a:cs typeface="DejaVu Sans" charset="0"/>
         </a:defRPr>
       </a:lvl6pPr>
       <a:lvl7pPr marL="2971800" marR="0" indent="-228600" algn="l" defTabSz="914400">
@@ -7994,8 +7986,8 @@
           </a:solidFill>
           <a:effectLst/>
           <a:latin typeface="Arial" pitchFamily="2" charset="0"/>
-          <a:ea typeface="DejaVu Sans" pitchFamily="0" charset="0"/>
-          <a:cs typeface="DejaVu Sans" pitchFamily="0" charset="0"/>
+          <a:ea typeface="DejaVu Sans" charset="0"/>
+          <a:cs typeface="DejaVu Sans" charset="0"/>
         </a:defRPr>
       </a:lvl7pPr>
       <a:lvl8pPr marL="3429000" marR="0" indent="-228600" algn="l" defTabSz="914400">
@@ -8019,8 +8011,8 @@
           </a:solidFill>
           <a:effectLst/>
           <a:latin typeface="Arial" pitchFamily="2" charset="0"/>
-          <a:ea typeface="DejaVu Sans" pitchFamily="0" charset="0"/>
-          <a:cs typeface="DejaVu Sans" pitchFamily="0" charset="0"/>
+          <a:ea typeface="DejaVu Sans" charset="0"/>
+          <a:cs typeface="DejaVu Sans" charset="0"/>
         </a:defRPr>
       </a:lvl8pPr>
       <a:lvl9pPr marL="3886200" marR="0" indent="-228600" algn="l" defTabSz="914400">
@@ -8044,8 +8036,8 @@
           </a:solidFill>
           <a:effectLst/>
           <a:latin typeface="Arial" pitchFamily="2" charset="0"/>
-          <a:ea typeface="DejaVu Sans" pitchFamily="0" charset="0"/>
-          <a:cs typeface="DejaVu Sans" pitchFamily="0" charset="0"/>
+          <a:ea typeface="DejaVu Sans" charset="0"/>
+          <a:cs typeface="DejaVu Sans" charset="0"/>
         </a:defRPr>
       </a:lvl9pPr>
     </p:bodyStyle>
@@ -8068,8 +8060,8 @@
           </a:solidFill>
           <a:effectLst/>
           <a:latin typeface="Arial" pitchFamily="2" charset="0"/>
-          <a:ea typeface="DejaVu Sans" pitchFamily="0" charset="0"/>
-          <a:cs typeface="DejaVu Sans" pitchFamily="0" charset="0"/>
+          <a:ea typeface="DejaVu Sans" charset="0"/>
+          <a:cs typeface="DejaVu Sans" charset="0"/>
         </a:defRPr>
       </a:lvl1pPr>
       <a:lvl2pPr marL="457200" marR="0" indent="0" algn="l" defTabSz="914400">
@@ -8090,8 +8082,8 @@
           </a:solidFill>
           <a:effectLst/>
           <a:latin typeface="Arial" pitchFamily="2" charset="0"/>
-          <a:ea typeface="DejaVu Sans" pitchFamily="0" charset="0"/>
-          <a:cs typeface="DejaVu Sans" pitchFamily="0" charset="0"/>
+          <a:ea typeface="DejaVu Sans" charset="0"/>
+          <a:cs typeface="DejaVu Sans" charset="0"/>
         </a:defRPr>
       </a:lvl2pPr>
       <a:lvl3pPr marL="914400" marR="0" indent="0" algn="l" defTabSz="914400">
@@ -8112,8 +8104,8 @@
           </a:solidFill>
           <a:effectLst/>
           <a:latin typeface="Arial" pitchFamily="2" charset="0"/>
-          <a:ea typeface="DejaVu Sans" pitchFamily="0" charset="0"/>
-          <a:cs typeface="DejaVu Sans" pitchFamily="0" charset="0"/>
+          <a:ea typeface="DejaVu Sans" charset="0"/>
+          <a:cs typeface="DejaVu Sans" charset="0"/>
         </a:defRPr>
       </a:lvl3pPr>
       <a:lvl4pPr marL="1371600" marR="0" indent="0" algn="l" defTabSz="914400">
@@ -8134,8 +8126,8 @@
           </a:solidFill>
           <a:effectLst/>
           <a:latin typeface="Arial" pitchFamily="2" charset="0"/>
-          <a:ea typeface="DejaVu Sans" pitchFamily="0" charset="0"/>
-          <a:cs typeface="DejaVu Sans" pitchFamily="0" charset="0"/>
+          <a:ea typeface="DejaVu Sans" charset="0"/>
+          <a:cs typeface="DejaVu Sans" charset="0"/>
         </a:defRPr>
       </a:lvl4pPr>
       <a:lvl5pPr marL="1828800" marR="0" indent="0" algn="l" defTabSz="914400">
@@ -8156,8 +8148,8 @@
           </a:solidFill>
           <a:effectLst/>
           <a:latin typeface="Arial" pitchFamily="2" charset="0"/>
-          <a:ea typeface="DejaVu Sans" pitchFamily="0" charset="0"/>
-          <a:cs typeface="DejaVu Sans" pitchFamily="0" charset="0"/>
+          <a:ea typeface="DejaVu Sans" charset="0"/>
+          <a:cs typeface="DejaVu Sans" charset="0"/>
         </a:defRPr>
       </a:lvl5pPr>
       <a:lvl6pPr marL="2286000" marR="0" indent="0" algn="l" defTabSz="914400">
@@ -8178,8 +8170,8 @@
           </a:solidFill>
           <a:effectLst/>
           <a:latin typeface="Arial" pitchFamily="2" charset="0"/>
-          <a:ea typeface="DejaVu Sans" pitchFamily="0" charset="0"/>
-          <a:cs typeface="DejaVu Sans" pitchFamily="0" charset="0"/>
+          <a:ea typeface="DejaVu Sans" charset="0"/>
+          <a:cs typeface="DejaVu Sans" charset="0"/>
         </a:defRPr>
       </a:lvl6pPr>
       <a:lvl7pPr marL="2743200" marR="0" indent="0" algn="l" defTabSz="914400">
@@ -8200,8 +8192,8 @@
           </a:solidFill>
           <a:effectLst/>
           <a:latin typeface="Arial" pitchFamily="2" charset="0"/>
-          <a:ea typeface="DejaVu Sans" pitchFamily="0" charset="0"/>
-          <a:cs typeface="DejaVu Sans" pitchFamily="0" charset="0"/>
+          <a:ea typeface="DejaVu Sans" charset="0"/>
+          <a:cs typeface="DejaVu Sans" charset="0"/>
         </a:defRPr>
       </a:lvl7pPr>
       <a:lvl8pPr marL="3200400" marR="0" indent="0" algn="l" defTabSz="914400">
@@ -8222,8 +8214,8 @@
           </a:solidFill>
           <a:effectLst/>
           <a:latin typeface="Arial" pitchFamily="2" charset="0"/>
-          <a:ea typeface="DejaVu Sans" pitchFamily="0" charset="0"/>
-          <a:cs typeface="DejaVu Sans" pitchFamily="0" charset="0"/>
+          <a:ea typeface="DejaVu Sans" charset="0"/>
+          <a:cs typeface="DejaVu Sans" charset="0"/>
         </a:defRPr>
       </a:lvl8pPr>
       <a:lvl9pPr marL="3657600" marR="0" indent="0" algn="l" defTabSz="914400">
@@ -8244,8 +8236,8 @@
           </a:solidFill>
           <a:effectLst/>
           <a:latin typeface="Arial" pitchFamily="2" charset="0"/>
-          <a:ea typeface="DejaVu Sans" pitchFamily="0" charset="0"/>
-          <a:cs typeface="DejaVu Sans" pitchFamily="0" charset="0"/>
+          <a:ea typeface="DejaVu Sans" charset="0"/>
+          <a:cs typeface="DejaVu Sans" charset="0"/>
         </a:defRPr>
       </a:lvl9pPr>
     </p:otherStyle>
@@ -8254,7 +8246,7 @@
 </file>
 
 <file path=ppt/slideMasters/slideMaster3.xml><?xml version="1.0" encoding="utf-8"?>
-<p:sldMaster xmlns:p="http://schemas.openxmlformats.org/presentationml/2006/main" xmlns:mc="http://schemas.openxmlformats.org/markup-compatibility/2006" xmlns:p14="http://schemas.microsoft.com/office/powerpoint/2010/main" xmlns:p15="http://schemas.microsoft.com/office/powerpoint/2012/main" xmlns:r="http://schemas.openxmlformats.org/officeDocument/2006/relationships" xmlns:a="http://schemas.openxmlformats.org/drawingml/2006/main">
+<p:sldMaster xmlns:a="http://schemas.openxmlformats.org/drawingml/2006/main" xmlns:r="http://schemas.openxmlformats.org/officeDocument/2006/relationships" xmlns:p="http://schemas.openxmlformats.org/presentationml/2006/main">
   <p:cSld>
     <p:bg>
       <p:bgPr>
@@ -8285,7 +8277,7 @@
             <a:spLocks noGrp="1" noChangeArrowheads="1"/>
             <a:extLst>
               <a:ext uri="smNativeData">
-                <pr:smNativeData xmlns:pr="smNativeData" xmlns="smNativeData" val="SMDATA_15_q5OGZBMAAAAlAAAAZAAAAA0AAAAAAAAAAAAAAAAAAAAAAAAAAAAAAAABAAAAAAAAAAEAAABQAAAAAAAAAAAA4D8AAAAAAADgPwAAAAAAAOA/AAAAAAAA4D8AAAAAAADgPwAAAAAAAOA/AAAAAAAA4D8AAAAAAADgPwAAAAAAAOA/AAAAAAAA4D8CAAAAjAAAAAAAAAAAAAAA////AP///wgAAAAAAAAAAAAAAAAAAAAAAAAAAAAAAAAAAAAAeAAAAAEAAABAAAAAAAAAAAAAAABaAAAAAAAAAAAAAAAAAAAAAAAAAAAAAAAAAAAAAAAAAAAAAAAAAAAAAAAAAAAAAAAAAAAAAAAAAAAAAAAAAAAAAAAAAAAAAAAAAAAAFAAAADwAAAAAAAAAAAAAAAAAAAAPAAAAAQAAACMAAAAjAAAAIwAAAB4AAAAAAAAAZAAAAGQAAAAAAAAAZAAAAGQAAAAVAAAAYAAAAAAAAAAAAAAADwAAACADAAAAAAAAAAAAAAEAAACgMgAAVgcAAKr4//8BAAAAf39/AAEAAABkAAAAAAAAABQAAABAHwAAAAAAACYAAAAAAAAAwOD//wAAAAAmAAAAZAAAABYAAABMAAAAAAAAAAAAAAAEAAAAAAAAAAEAAADn5uYKAAAAACgAAAAoAAAAZAAAAGQAAAAAAAAAzMzMAAAAAABQAAAAUAAAAGQAAABkAAAAAAAAABcAAAAUAAAAAAAAAAAAAAD/fwAA/38AAAAAAAAJAAAABAAAAAAAAAAeAAAAaAAAAAAAAAAAAAAAAAAAAAAAAAAAAAAAECcAABAnAAAAAAAAAAAAAAAAAAAAAAAAAAAAAAAAAAAAAAAAAAAAABQAAAAAAAAAwMD/AAAAAABkAAAAMgAAAAAAAABkAAAAAAAAAH9/fwAKAAAAIgAAABgAAAAAAAAAAAAAAAAAAAAAAAAAAAAAAAAAAAAkAAAAJAAAAAAAAAAHAAAAAAAAAAAAAAAAAAAAAAAAAAAAAAAAAAAAf39/ACUAAABYAAAAAAAAAAAAAAAAAAAAAAAAAAAAAAAAAAAAAAAAAAAAAAAAAAAAAAAAAAAAAAA/AAAAAAAAAKCGAQAAAAAAAAAAAAAAAAAMAAAAAQAAAAAAAAAAAAAAAAAAAB8AAABUAAAA////AAAAAAEAAAAAAAAAAAAAAAAAAAAAAAAAAAAAAAAAAAAAAAAAAAAAAAB/f38AAAAAA8zMzADAwP8Af39/AAAAAAAAAAAAAAAAAAAAAAAAAAAAIQAAABgAAAAUAAAAwAMAAK8BAAA/RwAAuggAABAAAAAmAAAACAAAAL0vAAAAAAAA"/>
+                <pr:smNativeData xmlns="smNativeData" xmlns:pr="smNativeData" xmlns:p15="http://schemas.microsoft.com/office/powerpoint/2012/main" xmlns:p14="http://schemas.microsoft.com/office/powerpoint/2010/main" xmlns:mc="http://schemas.openxmlformats.org/markup-compatibility/2006" val="SMDATA_15_q5OGZBMAAAAlAAAAZAAAAA0AAAAAAAAAAAAAAAAAAAAAAAAAAAAAAAABAAAAAAAAAAEAAABQAAAAAAAAAAAA4D8AAAAAAADgPwAAAAAAAOA/AAAAAAAA4D8AAAAAAADgPwAAAAAAAOA/AAAAAAAA4D8AAAAAAADgPwAAAAAAAOA/AAAAAAAA4D8CAAAAjAAAAAAAAAAAAAAA////AP///wgAAAAAAAAAAAAAAAAAAAAAAAAAAAAAAAAAAAAAeAAAAAEAAABAAAAAAAAAAAAAAABaAAAAAAAAAAAAAAAAAAAAAAAAAAAAAAAAAAAAAAAAAAAAAAAAAAAAAAAAAAAAAAAAAAAAAAAAAAAAAAAAAAAAAAAAAAAAAAAAAAAAFAAAADwAAAAAAAAAAAAAAAAAAAAPAAAAAQAAACMAAAAjAAAAIwAAAB4AAAAAAAAAZAAAAGQAAAAAAAAAZAAAAGQAAAAVAAAAYAAAAAAAAAAAAAAADwAAACADAAAAAAAAAAAAAAEAAACgMgAAVgcAAKr4//8BAAAAf39/AAEAAABkAAAAAAAAABQAAABAHwAAAAAAACYAAAAAAAAAwOD//wAAAAAmAAAAZAAAABYAAABMAAAAAAAAAAAAAAAEAAAAAAAAAAEAAADn5uYKAAAAACgAAAAoAAAAZAAAAGQAAAAAAAAAzMzMAAAAAABQAAAAUAAAAGQAAABkAAAAAAAAABcAAAAUAAAAAAAAAAAAAAD/fwAA/38AAAAAAAAJAAAABAAAAAAAAAAeAAAAaAAAAAAAAAAAAAAAAAAAAAAAAAAAAAAAECcAABAnAAAAAAAAAAAAAAAAAAAAAAAAAAAAAAAAAAAAAAAAAAAAABQAAAAAAAAAwMD/AAAAAABkAAAAMgAAAAAAAABkAAAAAAAAAH9/fwAKAAAAIgAAABgAAAAAAAAAAAAAAAAAAAAAAAAAAAAAAAAAAAAkAAAAJAAAAAAAAAAHAAAAAAAAAAAAAAAAAAAAAAAAAAAAAAAAAAAAf39/ACUAAABYAAAAAAAAAAAAAAAAAAAAAAAAAAAAAAAAAAAAAAAAAAAAAAAAAAAAAAAAAAAAAAA/AAAAAAAAAKCGAQAAAAAAAAAAAAAAAAAMAAAAAQAAAAAAAAAAAAAAAAAAAB8AAABUAAAA////AAAAAAEAAAAAAAAAAAAAAAAAAAAAAAAAAAAAAAAAAAAAAAAAAAAAAAB/f38AAAAAA8zMzADAwP8Af39/AAAAAAAAAAAAAAAAAAAAAAAAAAAAIQAAABgAAAAUAAAAwAMAAK8BAAA/RwAAuggAABAAAAAmAAAACAAAAL0vAAAAAAAA"/>
               </a:ext>
             </a:extLst>
           </p:cNvSpPr>
@@ -8317,7 +8309,6 @@
               <a:rPr lang="en-us" cap="none"/>
               <a:t>Clique para editar o formato do texto do título</a:t>
             </a:r>
-            <a:endParaRPr lang="en-us" cap="none"/>
           </a:p>
         </p:txBody>
       </p:sp>
@@ -8328,7 +8319,7 @@
             <a:spLocks noGrp="1" noChangeArrowheads="1"/>
             <a:extLst>
               <a:ext uri="smNativeData">
-                <pr:smNativeData xmlns:pr="smNativeData" xmlns="smNativeData" val="SMDATA_15_q5OGZBMAAAAlAAAAZAAAAA0AAAAAAAAAAAAAAAAAAAAAAAAAAAAAAAAAAAAAAAAAAAEAAABQAAAAAAAAAAAA4D8AAAAAAADgPwAAAAAAAOA/AAAAAAAA4D8AAAAAAADgPwAAAAAAAOA/AAAAAAAA4D8AAAAAAADgPwAAAAAAAOA/AAAAAAAA4D8CAAAAjAAAAAAAAAAAAAAA////AP///wgAAAAAAAAAAAAAAAAAAAAAAAAAAAAAAAAAAAAAeAAAAAEAAABAAAAAAAAAAAAAAABaAAAAAAAAAAAAAAAAAAAAAAAAAAAAAAAAAAAAAAAAAAAAAAAAAAAAAAAAAAAAAAAAAAAAAAAAAAAAAAAAAAAAAAAAAAAAAAAAAAAAFAAAADwAAAAAAAAAAAAAAAAAAAAPAAAAAQAAACMAAAAjAAAAIwAAAB4AAAAAAAAAZAAAAGQAAAAAAAAAZAAAAGQAAAAVAAAAYAAAAAAAAAAAAAAADwAAACADAAAAAAAAAAAAAAEAAACgMgAAVgcAAKr4//8BAAAAf39/AAEAAABkAAAAAAAAABQAAABAHwAAAAAAACYAAAAAAAAAwOD//wAAAAAmAAAAZAAAABYAAABMAAAAAAAAAAAAAAAEAAAAAAAAAAEAAADn5uYKAAAAACgAAAAoAAAAZAAAAGQAAAAAAAAAzMzMAAAAAABQAAAAUAAAAGQAAABkAAAAAAAAABcAAAAUAAAAAAAAAAAAAAD/fwAA/38AAAAAAAAJAAAABAAAAAAAAAAeAAAAaAAAAAAAAAAAAAAAAAAAAAAAAAAAAAAAECcAABAnAAAAAAAAAAAAAAAAAAAAAAAAAAAAAAAAAAAAAAAAAAAAABQAAAAAAAAAwMD/AAAAAABkAAAAMgAAAAAAAABkAAAAAAAAAH9/fwAKAAAAIgAAABgAAAAAAAAAAAAAAAAAAAAAAAAAAAAAAAAAAAAkAAAAJAAAAAAAAAAHAAAAAAAAAAAAAAAAAAAAAAAAAAAAAAAAAAAAf39/ACUAAABYAAAAAAAAAAAAAAAAAAAAAAAAAAAAAAAAAAAAAAAAAAAAAAAAAAAAAAAAAAAAAAA/AAAAAAAAAKCGAQAAAAAAAAAAAAAAAAAMAAAAAQAAAAAAAAAAAAAAAAAAAB8AAABUAAAA////AAAAAAEAAAAAAAAAAAAAAAAAAAAAAAAAAAAAAAAAAAAAAAAAAAAAAAB/f38AAAAAA8zMzADAwP8Af39/AAAAAAAAAAAAAAAAAAAAAAAAAAAAIQAAABgAAAAUAAAAwAMAAN8JAAA/RwAAViIAABAAAAAmAAAACAAAAD0vAAAAAAAA"/>
+                <pr:smNativeData xmlns="smNativeData" xmlns:pr="smNativeData" xmlns:p15="http://schemas.microsoft.com/office/powerpoint/2012/main" xmlns:p14="http://schemas.microsoft.com/office/powerpoint/2010/main" xmlns:mc="http://schemas.openxmlformats.org/markup-compatibility/2006" val="SMDATA_15_q5OGZBMAAAAlAAAAZAAAAA0AAAAAAAAAAAAAAAAAAAAAAAAAAAAAAAAAAAAAAAAAAAEAAABQAAAAAAAAAAAA4D8AAAAAAADgPwAAAAAAAOA/AAAAAAAA4D8AAAAAAADgPwAAAAAAAOA/AAAAAAAA4D8AAAAAAADgPwAAAAAAAOA/AAAAAAAA4D8CAAAAjAAAAAAAAAAAAAAA////AP///wgAAAAAAAAAAAAAAAAAAAAAAAAAAAAAAAAAAAAAeAAAAAEAAABAAAAAAAAAAAAAAABaAAAAAAAAAAAAAAAAAAAAAAAAAAAAAAAAAAAAAAAAAAAAAAAAAAAAAAAAAAAAAAAAAAAAAAAAAAAAAAAAAAAAAAAAAAAAAAAAAAAAFAAAADwAAAAAAAAAAAAAAAAAAAAPAAAAAQAAACMAAAAjAAAAIwAAAB4AAAAAAAAAZAAAAGQAAAAAAAAAZAAAAGQAAAAVAAAAYAAAAAAAAAAAAAAADwAAACADAAAAAAAAAAAAAAEAAACgMgAAVgcAAKr4//8BAAAAf39/AAEAAABkAAAAAAAAABQAAABAHwAAAAAAACYAAAAAAAAAwOD//wAAAAAmAAAAZAAAABYAAABMAAAAAAAAAAAAAAAEAAAAAAAAAAEAAADn5uYKAAAAACgAAAAoAAAAZAAAAGQAAAAAAAAAzMzMAAAAAABQAAAAUAAAAGQAAABkAAAAAAAAABcAAAAUAAAAAAAAAAAAAAD/fwAA/38AAAAAAAAJAAAABAAAAAAAAAAeAAAAaAAAAAAAAAAAAAAAAAAAAAAAAAAAAAAAECcAABAnAAAAAAAAAAAAAAAAAAAAAAAAAAAAAAAAAAAAAAAAAAAAABQAAAAAAAAAwMD/AAAAAABkAAAAMgAAAAAAAABkAAAAAAAAAH9/fwAKAAAAIgAAABgAAAAAAAAAAAAAAAAAAAAAAAAAAAAAAAAAAAAkAAAAJAAAAAAAAAAHAAAAAAAAAAAAAAAAAAAAAAAAAAAAAAAAAAAAf39/ACUAAABYAAAAAAAAAAAAAAAAAAAAAAAAAAAAAAAAAAAAAAAAAAAAAAAAAAAAAAAAAAAAAAA/AAAAAAAAAKCGAQAAAAAAAAAAAAAAAAAMAAAAAQAAAAAAAAAAAAAAAAAAAB8AAABUAAAA////AAAAAAEAAAAAAAAAAAAAAAAAAAAAAAAAAAAAAAAAAAAAAAAAAAAAAAB/f38AAAAAA8zMzADAwP8Af39/AAAAAAAAAAAAAAAAAAAAAAAAAAAAIQAAABgAAAAUAAAAwAMAAN8JAAA/RwAAViIAABAAAAAmAAAACAAAAD0vAAAAAAAA"/>
               </a:ext>
             </a:extLst>
           </p:cNvSpPr>
@@ -8361,7 +8352,7 @@
                 <a:srgbClr val="000000"/>
               </a:buClr>
               <a:buSzPts val="1440"/>
-              <a:buFont typeface="Wingdings" pitchFamily="0" charset="2"/>
+              <a:buFont typeface="Wingdings" charset="2"/>
               <a:buChar char=""/>
               <a:defRPr lang="pt-br"/>
             </a:pPr>
@@ -8369,10 +8360,9 @@
               <a:rPr lang="en-us" sz="3200" cap="none"/>
               <a:t>Clique para editar o formato do texto da estrutura de tópicos</a:t>
             </a:r>
-            <a:endParaRPr lang="en-us" sz="3200" cap="none"/>
-          </a:p>
-          <a:p>
-            <a:pPr lvl="1" marL="864235" indent="-323850">
+          </a:p>
+          <a:p>
+            <a:pPr marL="864235" lvl="1" indent="-323850">
               <a:spcBef>
                 <a:spcPts val="1130"/>
               </a:spcBef>
@@ -8388,10 +8378,9 @@
               <a:rPr lang="en-us" sz="2800" cap="none"/>
               <a:t>2.º nível da estrutura de tópicos</a:t>
             </a:r>
-            <a:endParaRPr lang="en-us" sz="2800" cap="none"/>
-          </a:p>
-          <a:p>
-            <a:pPr lvl="2" marL="1296035" indent="-288290">
+          </a:p>
+          <a:p>
+            <a:pPr marL="1296035" lvl="2" indent="-288290">
               <a:spcBef>
                 <a:spcPts val="850"/>
               </a:spcBef>
@@ -8399,7 +8388,7 @@
                 <a:srgbClr val="000000"/>
               </a:buClr>
               <a:buSzPts val="1080"/>
-              <a:buFont typeface="Wingdings" pitchFamily="0" charset="2"/>
+              <a:buFont typeface="Wingdings" charset="2"/>
               <a:buChar char=""/>
               <a:defRPr lang="pt-br"/>
             </a:pPr>
@@ -8407,10 +8396,9 @@
               <a:rPr lang="en-us" sz="2400" cap="none"/>
               <a:t>3.º nível da estrutura de tópicos</a:t>
             </a:r>
-            <a:endParaRPr lang="en-us" sz="2400" cap="none"/>
-          </a:p>
-          <a:p>
-            <a:pPr lvl="3" marL="1727835" indent="-215900">
+          </a:p>
+          <a:p>
+            <a:pPr marL="1727835" lvl="3" indent="-215900">
               <a:spcBef>
                 <a:spcPts val="565"/>
               </a:spcBef>
@@ -8426,10 +8414,9 @@
               <a:rPr lang="en-us" sz="2000" cap="none"/>
               <a:t>4.º nível da estrutura de tópicos</a:t>
             </a:r>
-            <a:endParaRPr lang="en-us" sz="2000" cap="none"/>
-          </a:p>
-          <a:p>
-            <a:pPr lvl="4" marL="2160270" indent="-215900">
+          </a:p>
+          <a:p>
+            <a:pPr marL="2160270" lvl="4" indent="-215900">
               <a:spcBef>
                 <a:spcPts val="280"/>
               </a:spcBef>
@@ -8437,7 +8424,7 @@
                 <a:srgbClr val="000000"/>
               </a:buClr>
               <a:buSzPts val="900"/>
-              <a:buFont typeface="Wingdings" pitchFamily="0" charset="2"/>
+              <a:buFont typeface="Wingdings" charset="2"/>
               <a:buChar char=""/>
               <a:defRPr lang="pt-br"/>
             </a:pPr>
@@ -8445,10 +8432,9 @@
               <a:rPr lang="en-us" sz="2000" cap="none"/>
               <a:t>5.º nível da estrutura de tópicos</a:t>
             </a:r>
-            <a:endParaRPr lang="en-us" sz="2000" cap="none"/>
-          </a:p>
-          <a:p>
-            <a:pPr lvl="5" marL="2592070" indent="-215900">
+          </a:p>
+          <a:p>
+            <a:pPr marL="2592070" lvl="5" indent="-215900">
               <a:spcBef>
                 <a:spcPts val="280"/>
               </a:spcBef>
@@ -8456,7 +8442,7 @@
                 <a:srgbClr val="000000"/>
               </a:buClr>
               <a:buSzPts val="900"/>
-              <a:buFont typeface="Wingdings" pitchFamily="0" charset="2"/>
+              <a:buFont typeface="Wingdings" charset="2"/>
               <a:buChar char=""/>
               <a:defRPr lang="pt-br"/>
             </a:pPr>
@@ -8464,10 +8450,9 @@
               <a:rPr lang="en-us" sz="2000" cap="none"/>
               <a:t>6.º nível da estrutura de tópicos</a:t>
             </a:r>
-            <a:endParaRPr lang="en-us" sz="2000" cap="none"/>
-          </a:p>
-          <a:p>
-            <a:pPr lvl="6" marL="3023870" indent="-215900">
+          </a:p>
+          <a:p>
+            <a:pPr marL="3023870" lvl="6" indent="-215900">
               <a:spcBef>
                 <a:spcPts val="280"/>
               </a:spcBef>
@@ -8475,7 +8460,7 @@
                 <a:srgbClr val="000000"/>
               </a:buClr>
               <a:buSzPts val="900"/>
-              <a:buFont typeface="Wingdings" pitchFamily="0" charset="2"/>
+              <a:buFont typeface="Wingdings" charset="2"/>
               <a:buChar char=""/>
               <a:defRPr lang="pt-br"/>
             </a:pPr>
@@ -8483,7 +8468,6 @@
               <a:rPr lang="en-us" sz="2000" cap="none"/>
               <a:t>7.º nível da estrutura de tópicos</a:t>
             </a:r>
-            <a:endParaRPr lang="en-us" sz="2000" cap="none"/>
           </a:p>
         </p:txBody>
       </p:sp>
@@ -8525,8 +8509,8 @@
           </a:solidFill>
           <a:effectLst/>
           <a:latin typeface="Arial" pitchFamily="2" charset="0"/>
-          <a:ea typeface="DejaVu Sans" pitchFamily="0" charset="0"/>
-          <a:cs typeface="DejaVu Sans" pitchFamily="0" charset="0"/>
+          <a:ea typeface="DejaVu Sans" charset="0"/>
+          <a:cs typeface="DejaVu Sans" charset="0"/>
         </a:defRPr>
       </a:lvl1pPr>
       <a:lvl2pPr marL="457200" marR="0" indent="0" algn="l" defTabSz="914400">
@@ -8547,8 +8531,8 @@
           </a:solidFill>
           <a:effectLst/>
           <a:latin typeface="Arial" pitchFamily="2" charset="0"/>
-          <a:ea typeface="DejaVu Sans" pitchFamily="0" charset="0"/>
-          <a:cs typeface="DejaVu Sans" pitchFamily="0" charset="0"/>
+          <a:ea typeface="DejaVu Sans" charset="0"/>
+          <a:cs typeface="DejaVu Sans" charset="0"/>
         </a:defRPr>
       </a:lvl2pPr>
       <a:lvl3pPr marL="914400" marR="0" indent="0" algn="l" defTabSz="914400">
@@ -8569,8 +8553,8 @@
           </a:solidFill>
           <a:effectLst/>
           <a:latin typeface="Arial" pitchFamily="2" charset="0"/>
-          <a:ea typeface="DejaVu Sans" pitchFamily="0" charset="0"/>
-          <a:cs typeface="DejaVu Sans" pitchFamily="0" charset="0"/>
+          <a:ea typeface="DejaVu Sans" charset="0"/>
+          <a:cs typeface="DejaVu Sans" charset="0"/>
         </a:defRPr>
       </a:lvl3pPr>
       <a:lvl4pPr marL="1371600" marR="0" indent="0" algn="l" defTabSz="914400">
@@ -8591,8 +8575,8 @@
           </a:solidFill>
           <a:effectLst/>
           <a:latin typeface="Arial" pitchFamily="2" charset="0"/>
-          <a:ea typeface="DejaVu Sans" pitchFamily="0" charset="0"/>
-          <a:cs typeface="DejaVu Sans" pitchFamily="0" charset="0"/>
+          <a:ea typeface="DejaVu Sans" charset="0"/>
+          <a:cs typeface="DejaVu Sans" charset="0"/>
         </a:defRPr>
       </a:lvl4pPr>
       <a:lvl5pPr marL="1828800" marR="0" indent="0" algn="l" defTabSz="914400">
@@ -8613,8 +8597,8 @@
           </a:solidFill>
           <a:effectLst/>
           <a:latin typeface="Arial" pitchFamily="2" charset="0"/>
-          <a:ea typeface="DejaVu Sans" pitchFamily="0" charset="0"/>
-          <a:cs typeface="DejaVu Sans" pitchFamily="0" charset="0"/>
+          <a:ea typeface="DejaVu Sans" charset="0"/>
+          <a:cs typeface="DejaVu Sans" charset="0"/>
         </a:defRPr>
       </a:lvl5pPr>
       <a:lvl6pPr marL="2286000" marR="0" indent="0" algn="l" defTabSz="914400">
@@ -8635,8 +8619,8 @@
           </a:solidFill>
           <a:effectLst/>
           <a:latin typeface="Arial" pitchFamily="2" charset="0"/>
-          <a:ea typeface="DejaVu Sans" pitchFamily="0" charset="0"/>
-          <a:cs typeface="DejaVu Sans" pitchFamily="0" charset="0"/>
+          <a:ea typeface="DejaVu Sans" charset="0"/>
+          <a:cs typeface="DejaVu Sans" charset="0"/>
         </a:defRPr>
       </a:lvl6pPr>
       <a:lvl7pPr marL="2743200" marR="0" indent="0" algn="l" defTabSz="914400">
@@ -8657,8 +8641,8 @@
           </a:solidFill>
           <a:effectLst/>
           <a:latin typeface="Arial" pitchFamily="2" charset="0"/>
-          <a:ea typeface="DejaVu Sans" pitchFamily="0" charset="0"/>
-          <a:cs typeface="DejaVu Sans" pitchFamily="0" charset="0"/>
+          <a:ea typeface="DejaVu Sans" charset="0"/>
+          <a:cs typeface="DejaVu Sans" charset="0"/>
         </a:defRPr>
       </a:lvl7pPr>
       <a:lvl8pPr marL="3200400" marR="0" indent="0" algn="l" defTabSz="914400">
@@ -8679,8 +8663,8 @@
           </a:solidFill>
           <a:effectLst/>
           <a:latin typeface="Arial" pitchFamily="2" charset="0"/>
-          <a:ea typeface="DejaVu Sans" pitchFamily="0" charset="0"/>
-          <a:cs typeface="DejaVu Sans" pitchFamily="0" charset="0"/>
+          <a:ea typeface="DejaVu Sans" charset="0"/>
+          <a:cs typeface="DejaVu Sans" charset="0"/>
         </a:defRPr>
       </a:lvl8pPr>
       <a:lvl9pPr marL="3657600" marR="0" indent="0" algn="l" defTabSz="914400">
@@ -8701,8 +8685,8 @@
           </a:solidFill>
           <a:effectLst/>
           <a:latin typeface="Arial" pitchFamily="2" charset="0"/>
-          <a:ea typeface="DejaVu Sans" pitchFamily="0" charset="0"/>
-          <a:cs typeface="DejaVu Sans" pitchFamily="0" charset="0"/>
+          <a:ea typeface="DejaVu Sans" charset="0"/>
+          <a:cs typeface="DejaVu Sans" charset="0"/>
         </a:defRPr>
       </a:lvl9pPr>
     </p:titleStyle>
@@ -8728,8 +8712,8 @@
           </a:solidFill>
           <a:effectLst/>
           <a:latin typeface="Arial" pitchFamily="2" charset="0"/>
-          <a:ea typeface="DejaVu Sans" pitchFamily="0" charset="0"/>
-          <a:cs typeface="DejaVu Sans" pitchFamily="0" charset="0"/>
+          <a:ea typeface="DejaVu Sans" charset="0"/>
+          <a:cs typeface="DejaVu Sans" charset="0"/>
         </a:defRPr>
       </a:lvl1pPr>
       <a:lvl2pPr marL="685800" marR="0" indent="-228600" algn="l" defTabSz="914400">
@@ -8753,8 +8737,8 @@
           </a:solidFill>
           <a:effectLst/>
           <a:latin typeface="Arial" pitchFamily="2" charset="0"/>
-          <a:ea typeface="DejaVu Sans" pitchFamily="0" charset="0"/>
-          <a:cs typeface="DejaVu Sans" pitchFamily="0" charset="0"/>
+          <a:ea typeface="DejaVu Sans" charset="0"/>
+          <a:cs typeface="DejaVu Sans" charset="0"/>
         </a:defRPr>
       </a:lvl2pPr>
       <a:lvl3pPr marL="1143000" marR="0" indent="-228600" algn="l" defTabSz="914400">
@@ -8778,8 +8762,8 @@
           </a:solidFill>
           <a:effectLst/>
           <a:latin typeface="Arial" pitchFamily="2" charset="0"/>
-          <a:ea typeface="DejaVu Sans" pitchFamily="0" charset="0"/>
-          <a:cs typeface="DejaVu Sans" pitchFamily="0" charset="0"/>
+          <a:ea typeface="DejaVu Sans" charset="0"/>
+          <a:cs typeface="DejaVu Sans" charset="0"/>
         </a:defRPr>
       </a:lvl3pPr>
       <a:lvl4pPr marL="1600200" marR="0" indent="-228600" algn="l" defTabSz="914400">
@@ -8803,8 +8787,8 @@
           </a:solidFill>
           <a:effectLst/>
           <a:latin typeface="Arial" pitchFamily="2" charset="0"/>
-          <a:ea typeface="DejaVu Sans" pitchFamily="0" charset="0"/>
-          <a:cs typeface="DejaVu Sans" pitchFamily="0" charset="0"/>
+          <a:ea typeface="DejaVu Sans" charset="0"/>
+          <a:cs typeface="DejaVu Sans" charset="0"/>
         </a:defRPr>
       </a:lvl4pPr>
       <a:lvl5pPr marL="2057400" marR="0" indent="-228600" algn="l" defTabSz="914400">
@@ -8828,8 +8812,8 @@
           </a:solidFill>
           <a:effectLst/>
           <a:latin typeface="Arial" pitchFamily="2" charset="0"/>
-          <a:ea typeface="DejaVu Sans" pitchFamily="0" charset="0"/>
-          <a:cs typeface="DejaVu Sans" pitchFamily="0" charset="0"/>
+          <a:ea typeface="DejaVu Sans" charset="0"/>
+          <a:cs typeface="DejaVu Sans" charset="0"/>
         </a:defRPr>
       </a:lvl5pPr>
       <a:lvl6pPr marL="2514600" marR="0" indent="-228600" algn="l" defTabSz="914400">
@@ -8853,8 +8837,8 @@
           </a:solidFill>
           <a:effectLst/>
           <a:latin typeface="Arial" pitchFamily="2" charset="0"/>
-          <a:ea typeface="DejaVu Sans" pitchFamily="0" charset="0"/>
-          <a:cs typeface="DejaVu Sans" pitchFamily="0" charset="0"/>
+          <a:ea typeface="DejaVu Sans" charset="0"/>
+          <a:cs typeface="DejaVu Sans" charset="0"/>
         </a:defRPr>
       </a:lvl6pPr>
       <a:lvl7pPr marL="2971800" marR="0" indent="-228600" algn="l" defTabSz="914400">
@@ -8878,8 +8862,8 @@
           </a:solidFill>
           <a:effectLst/>
           <a:latin typeface="Arial" pitchFamily="2" charset="0"/>
-          <a:ea typeface="DejaVu Sans" pitchFamily="0" charset="0"/>
-          <a:cs typeface="DejaVu Sans" pitchFamily="0" charset="0"/>
+          <a:ea typeface="DejaVu Sans" charset="0"/>
+          <a:cs typeface="DejaVu Sans" charset="0"/>
         </a:defRPr>
       </a:lvl7pPr>
       <a:lvl8pPr marL="3429000" marR="0" indent="-228600" algn="l" defTabSz="914400">
@@ -8903,8 +8887,8 @@
           </a:solidFill>
           <a:effectLst/>
           <a:latin typeface="Arial" pitchFamily="2" charset="0"/>
-          <a:ea typeface="DejaVu Sans" pitchFamily="0" charset="0"/>
-          <a:cs typeface="DejaVu Sans" pitchFamily="0" charset="0"/>
+          <a:ea typeface="DejaVu Sans" charset="0"/>
+          <a:cs typeface="DejaVu Sans" charset="0"/>
         </a:defRPr>
       </a:lvl8pPr>
       <a:lvl9pPr marL="3886200" marR="0" indent="-228600" algn="l" defTabSz="914400">
@@ -8928,8 +8912,8 @@
           </a:solidFill>
           <a:effectLst/>
           <a:latin typeface="Arial" pitchFamily="2" charset="0"/>
-          <a:ea typeface="DejaVu Sans" pitchFamily="0" charset="0"/>
-          <a:cs typeface="DejaVu Sans" pitchFamily="0" charset="0"/>
+          <a:ea typeface="DejaVu Sans" charset="0"/>
+          <a:cs typeface="DejaVu Sans" charset="0"/>
         </a:defRPr>
       </a:lvl9pPr>
     </p:bodyStyle>
@@ -8952,8 +8936,8 @@
           </a:solidFill>
           <a:effectLst/>
           <a:latin typeface="Arial" pitchFamily="2" charset="0"/>
-          <a:ea typeface="DejaVu Sans" pitchFamily="0" charset="0"/>
-          <a:cs typeface="DejaVu Sans" pitchFamily="0" charset="0"/>
+          <a:ea typeface="DejaVu Sans" charset="0"/>
+          <a:cs typeface="DejaVu Sans" charset="0"/>
         </a:defRPr>
       </a:lvl1pPr>
       <a:lvl2pPr marL="457200" marR="0" indent="0" algn="l" defTabSz="914400">
@@ -8974,8 +8958,8 @@
           </a:solidFill>
           <a:effectLst/>
           <a:latin typeface="Arial" pitchFamily="2" charset="0"/>
-          <a:ea typeface="DejaVu Sans" pitchFamily="0" charset="0"/>
-          <a:cs typeface="DejaVu Sans" pitchFamily="0" charset="0"/>
+          <a:ea typeface="DejaVu Sans" charset="0"/>
+          <a:cs typeface="DejaVu Sans" charset="0"/>
         </a:defRPr>
       </a:lvl2pPr>
       <a:lvl3pPr marL="914400" marR="0" indent="0" algn="l" defTabSz="914400">
@@ -8996,8 +8980,8 @@
           </a:solidFill>
           <a:effectLst/>
           <a:latin typeface="Arial" pitchFamily="2" charset="0"/>
-          <a:ea typeface="DejaVu Sans" pitchFamily="0" charset="0"/>
-          <a:cs typeface="DejaVu Sans" pitchFamily="0" charset="0"/>
+          <a:ea typeface="DejaVu Sans" charset="0"/>
+          <a:cs typeface="DejaVu Sans" charset="0"/>
         </a:defRPr>
       </a:lvl3pPr>
       <a:lvl4pPr marL="1371600" marR="0" indent="0" algn="l" defTabSz="914400">
@@ -9018,8 +9002,8 @@
           </a:solidFill>
           <a:effectLst/>
           <a:latin typeface="Arial" pitchFamily="2" charset="0"/>
-          <a:ea typeface="DejaVu Sans" pitchFamily="0" charset="0"/>
-          <a:cs typeface="DejaVu Sans" pitchFamily="0" charset="0"/>
+          <a:ea typeface="DejaVu Sans" charset="0"/>
+          <a:cs typeface="DejaVu Sans" charset="0"/>
         </a:defRPr>
       </a:lvl4pPr>
       <a:lvl5pPr marL="1828800" marR="0" indent="0" algn="l" defTabSz="914400">
@@ -9040,8 +9024,8 @@
           </a:solidFill>
           <a:effectLst/>
           <a:latin typeface="Arial" pitchFamily="2" charset="0"/>
-          <a:ea typeface="DejaVu Sans" pitchFamily="0" charset="0"/>
-          <a:cs typeface="DejaVu Sans" pitchFamily="0" charset="0"/>
+          <a:ea typeface="DejaVu Sans" charset="0"/>
+          <a:cs typeface="DejaVu Sans" charset="0"/>
         </a:defRPr>
       </a:lvl5pPr>
       <a:lvl6pPr marL="2286000" marR="0" indent="0" algn="l" defTabSz="914400">
@@ -9062,8 +9046,8 @@
           </a:solidFill>
           <a:effectLst/>
           <a:latin typeface="Arial" pitchFamily="2" charset="0"/>
-          <a:ea typeface="DejaVu Sans" pitchFamily="0" charset="0"/>
-          <a:cs typeface="DejaVu Sans" pitchFamily="0" charset="0"/>
+          <a:ea typeface="DejaVu Sans" charset="0"/>
+          <a:cs typeface="DejaVu Sans" charset="0"/>
         </a:defRPr>
       </a:lvl6pPr>
       <a:lvl7pPr marL="2743200" marR="0" indent="0" algn="l" defTabSz="914400">
@@ -9084,8 +9068,8 @@
           </a:solidFill>
           <a:effectLst/>
           <a:latin typeface="Arial" pitchFamily="2" charset="0"/>
-          <a:ea typeface="DejaVu Sans" pitchFamily="0" charset="0"/>
-          <a:cs typeface="DejaVu Sans" pitchFamily="0" charset="0"/>
+          <a:ea typeface="DejaVu Sans" charset="0"/>
+          <a:cs typeface="DejaVu Sans" charset="0"/>
         </a:defRPr>
       </a:lvl7pPr>
       <a:lvl8pPr marL="3200400" marR="0" indent="0" algn="l" defTabSz="914400">
@@ -9106,8 +9090,8 @@
           </a:solidFill>
           <a:effectLst/>
           <a:latin typeface="Arial" pitchFamily="2" charset="0"/>
-          <a:ea typeface="DejaVu Sans" pitchFamily="0" charset="0"/>
-          <a:cs typeface="DejaVu Sans" pitchFamily="0" charset="0"/>
+          <a:ea typeface="DejaVu Sans" charset="0"/>
+          <a:cs typeface="DejaVu Sans" charset="0"/>
         </a:defRPr>
       </a:lvl8pPr>
       <a:lvl9pPr marL="3657600" marR="0" indent="0" algn="l" defTabSz="914400">
@@ -9128,8 +9112,8 @@
           </a:solidFill>
           <a:effectLst/>
           <a:latin typeface="Arial" pitchFamily="2" charset="0"/>
-          <a:ea typeface="DejaVu Sans" pitchFamily="0" charset="0"/>
-          <a:cs typeface="DejaVu Sans" pitchFamily="0" charset="0"/>
+          <a:ea typeface="DejaVu Sans" charset="0"/>
+          <a:cs typeface="DejaVu Sans" charset="0"/>
         </a:defRPr>
       </a:lvl9pPr>
     </p:otherStyle>
@@ -9138,7 +9122,7 @@
 </file>
 
 <file path=ppt/slideMasters/slideMaster4.xml><?xml version="1.0" encoding="utf-8"?>
-<p:sldMaster xmlns:p="http://schemas.openxmlformats.org/presentationml/2006/main" xmlns:mc="http://schemas.openxmlformats.org/markup-compatibility/2006" xmlns:p14="http://schemas.microsoft.com/office/powerpoint/2010/main" xmlns:p15="http://schemas.microsoft.com/office/powerpoint/2012/main" xmlns:r="http://schemas.openxmlformats.org/officeDocument/2006/relationships" xmlns:a="http://schemas.openxmlformats.org/drawingml/2006/main">
+<p:sldMaster xmlns:a="http://schemas.openxmlformats.org/drawingml/2006/main" xmlns:r="http://schemas.openxmlformats.org/officeDocument/2006/relationships" xmlns:p="http://schemas.openxmlformats.org/presentationml/2006/main">
   <p:cSld>
     <p:bg>
       <p:bgPr>
@@ -9169,7 +9153,7 @@
             <a:spLocks noGrp="1" noChangeArrowheads="1"/>
             <a:extLst>
               <a:ext uri="smNativeData">
-                <pr:smNativeData xmlns:pr="smNativeData" xmlns="smNativeData" val="SMDATA_15_q5OGZBMAAAAlAAAAZAAAAA0AAAAAAAAAAAAAAAAAAAAAAAAAAAAAAAABAAAAAAAAAAEAAABQAAAAAAAAAAAA4D8AAAAAAADgPwAAAAAAAOA/AAAAAAAA4D8AAAAAAADgPwAAAAAAAOA/AAAAAAAA4D8AAAAAAADgPwAAAAAAAOA/AAAAAAAA4D8CAAAAjAAAAAAAAAAAAAAA////AP///wgAAAAAAAAAAAAAAAAAAAAAAAAAAAAAAAAAAAAAeAAAAAEAAABAAAAAAAAAAAAAAABaAAAAAAAAAAAAAAAAAAAAAAAAAAAAAAAAAAAAAAAAAAAAAAAAAAAAAAAAAAAAAAAAAAAAAAAAAAAAAAAAAAAAAAAAAAAAAAAAAAAAFAAAADwAAAAAAAAAAAAAAAAAAAAPAAAAAQAAACMAAAAjAAAAIwAAAB4AAAAAAAAAZAAAAGQAAAAAAAAAZAAAAGQAAAAVAAAAYAAAAAAAAAAAAAAADwAAACADAAAAAAAAAAAAAAEAAACgMgAAVgcAAKr4//8BAAAAf39/AAEAAABkAAAAAAAAABQAAABAHwAAAAAAACYAAAAAAAAAwOD//wAAAAAmAAAAZAAAABYAAABMAAAAAAAAAAAAAAAEAAAAAAAAAAEAAADn5uYKAAAAACgAAAAoAAAAZAAAAGQAAAAAAAAAzMzMAAAAAABQAAAAUAAAAGQAAABkAAAAAAAAABcAAAAUAAAAAAAAAAAAAAD/fwAA/38AAAAAAAAJAAAABAAAAAAAAAAeAAAAaAAAAAAAAAAAAAAAAAAAAAAAAAAAAAAAECcAABAnAAAAAAAAAAAAAAAAAAAAAAAAAAAAAAAAAAAAAAAAAAAAABQAAAAAAAAAwMD/AAAAAABkAAAAMgAAAAAAAABkAAAAAAAAAH9/fwAKAAAAIgAAABgAAAAAAAAAAAAAAAAAAAAAAAAAAAAAAAAAAAAkAAAAJAAAAAAAAAAHAAAAAAAAAAAAAAAAAAAAAAAAAAAAAAAAAAAAf39/ACUAAABYAAAAAAAAAAAAAAAAAAAAAAAAAAAAAAAAAAAAAAAAAAAAAAAAAAAAAAAAAAAAAAA/AAAAAAAAAKCGAQAAAAAAAAAAAAAAAAAMAAAAAQAAAAAAAAAAAAAAAAAAAB8AAABUAAAA////AAAAAAEAAAAAAAAAAAAAAAAAAAAAAAAAAAAAAAAAAAAAAAAAAAAAAAB/f38AAAAAA8zMzADAwP8Af39/AAAAAAAAAAAAAAAAAAAAAAAAAAAAIQAAABgAAAAUAAAAwAMAAK8BAAA/RwAAuggAABAAAAAmAAAACAAAAL0vAAAAAAAA"/>
+                <pr:smNativeData xmlns="smNativeData" xmlns:pr="smNativeData" xmlns:p15="http://schemas.microsoft.com/office/powerpoint/2012/main" xmlns:p14="http://schemas.microsoft.com/office/powerpoint/2010/main" xmlns:mc="http://schemas.openxmlformats.org/markup-compatibility/2006" val="SMDATA_15_q5OGZBMAAAAlAAAAZAAAAA0AAAAAAAAAAAAAAAAAAAAAAAAAAAAAAAABAAAAAAAAAAEAAABQAAAAAAAAAAAA4D8AAAAAAADgPwAAAAAAAOA/AAAAAAAA4D8AAAAAAADgPwAAAAAAAOA/AAAAAAAA4D8AAAAAAADgPwAAAAAAAOA/AAAAAAAA4D8CAAAAjAAAAAAAAAAAAAAA////AP///wgAAAAAAAAAAAAAAAAAAAAAAAAAAAAAAAAAAAAAeAAAAAEAAABAAAAAAAAAAAAAAABaAAAAAAAAAAAAAAAAAAAAAAAAAAAAAAAAAAAAAAAAAAAAAAAAAAAAAAAAAAAAAAAAAAAAAAAAAAAAAAAAAAAAAAAAAAAAAAAAAAAAFAAAADwAAAAAAAAAAAAAAAAAAAAPAAAAAQAAACMAAAAjAAAAIwAAAB4AAAAAAAAAZAAAAGQAAAAAAAAAZAAAAGQAAAAVAAAAYAAAAAAAAAAAAAAADwAAACADAAAAAAAAAAAAAAEAAACgMgAAVgcAAKr4//8BAAAAf39/AAEAAABkAAAAAAAAABQAAABAHwAAAAAAACYAAAAAAAAAwOD//wAAAAAmAAAAZAAAABYAAABMAAAAAAAAAAAAAAAEAAAAAAAAAAEAAADn5uYKAAAAACgAAAAoAAAAZAAAAGQAAAAAAAAAzMzMAAAAAABQAAAAUAAAAGQAAABkAAAAAAAAABcAAAAUAAAAAAAAAAAAAAD/fwAA/38AAAAAAAAJAAAABAAAAAAAAAAeAAAAaAAAAAAAAAAAAAAAAAAAAAAAAAAAAAAAECcAABAnAAAAAAAAAAAAAAAAAAAAAAAAAAAAAAAAAAAAAAAAAAAAABQAAAAAAAAAwMD/AAAAAABkAAAAMgAAAAAAAABkAAAAAAAAAH9/fwAKAAAAIgAAABgAAAAAAAAAAAAAAAAAAAAAAAAAAAAAAAAAAAAkAAAAJAAAAAAAAAAHAAAAAAAAAAAAAAAAAAAAAAAAAAAAAAAAAAAAf39/ACUAAABYAAAAAAAAAAAAAAAAAAAAAAAAAAAAAAAAAAAAAAAAAAAAAAAAAAAAAAAAAAAAAAA/AAAAAAAAAKCGAQAAAAAAAAAAAAAAAAAMAAAAAQAAAAAAAAAAAAAAAAAAAB8AAABUAAAA////AAAAAAEAAAAAAAAAAAAAAAAAAAAAAAAAAAAAAAAAAAAAAAAAAAAAAAB/f38AAAAAA8zMzADAwP8Af39/AAAAAAAAAAAAAAAAAAAAAAAAAAAAIQAAABgAAAAUAAAAwAMAAK8BAAA/RwAAuggAABAAAAAmAAAACAAAAL0vAAAAAAAA"/>
               </a:ext>
             </a:extLst>
           </p:cNvSpPr>
@@ -9201,7 +9185,6 @@
               <a:rPr lang="en-us" cap="none"/>
               <a:t>Clique para editar o formato do texto do título</a:t>
             </a:r>
-            <a:endParaRPr lang="en-us" cap="none"/>
           </a:p>
         </p:txBody>
       </p:sp>
@@ -9212,7 +9195,7 @@
             <a:spLocks noGrp="1" noChangeArrowheads="1"/>
             <a:extLst>
               <a:ext uri="smNativeData">
-                <pr:smNativeData xmlns:pr="smNativeData" xmlns="smNativeData" val="SMDATA_15_q5OGZBMAAAAlAAAAZAAAAA0AAAAAAAAAAAAAAAAAAAAAAAAAAAAAAAAAAAAAAAAAAAEAAABQAAAAAAAAAAAA4D8AAAAAAADgPwAAAAAAAOA/AAAAAAAA4D8AAAAAAADgPwAAAAAAAOA/AAAAAAAA4D8AAAAAAADgPwAAAAAAAOA/AAAAAAAA4D8CAAAAjAAAAAAAAAAAAAAA////AP///wgAAAAAAAAAAAAAAAAAAAAAAAAAAAAAAAAAAAAAeAAAAAEAAABAAAAAAAAAAAAAAABaAAAAAAAAAAAAAAAAAAAAAAAAAAAAAAAAAAAAAAAAAAAAAAAAAAAAAAAAAAAAAAAAAAAAAAAAAAAAAAAAAAAAAAAAAAAAAAAAAAAAFAAAADwAAAAAAAAAAAAAAAAAAAAPAAAAAQAAACMAAAAjAAAAIwAAAB4AAAAAAAAAZAAAAGQAAAAAAAAAZAAAAGQAAAAVAAAAYAAAAAAAAAAAAAAADwAAACADAAAAAAAAAAAAAAEAAACgMgAAVgcAAKr4//8BAAAAf39/AAEAAABkAAAAAAAAABQAAABAHwAAAAAAACYAAAAAAAAAwOD//wAAAAAmAAAAZAAAABYAAABMAAAAAAAAAAAAAAAEAAAAAAAAAAEAAADn5uYKAAAAACgAAAAoAAAAZAAAAGQAAAAAAAAAzMzMAAAAAABQAAAAUAAAAGQAAABkAAAAAAAAABcAAAAUAAAAAAAAAAAAAAD/fwAA/38AAAAAAAAJAAAABAAAAGEAAAAeAAAAaAAAAAAAAAAAAAAAAAAAAAAAAAAAAAAAECcAABAnAAAAAAAAAAAAAAAAAAAAAAAAAAAAAAAAAAAAAAAAAAAAABQAAAAAAAAAwMD/AAAAAABkAAAAMgAAAAAAAABkAAAAAAAAAH9/fwAKAAAAIgAAABgAAAAAAAAAAAAAAAAAAAAAAAAAAAAAAAAAAAAkAAAAJAAAAAAAAAAHAAAAAAAAAAAAAAAAAAAAAAAAAAAAAAAAAAAAf39/ACUAAABYAAAAAAAAAAAAAAAAAAAAAAAAAAAAAAAAAAAAAAAAAAAAAAAAAAAAAAAAAAAAAAA/AAAAAAAAAKCGAQAAAAAAAAAAAAAAAAAMAAAAAQAAAAAAAAAAAAAAAAAAAB8AAABUAAAA////AAAAAAEAAAAAAAAAAAAAAAAAAAAAAAAAAAAAAAAAAAAAAAAAAAAAAAB/f38AAAAAA8zMzADAwP8Af39/AAAAAAAAAAAAAAAAAAAAAAAAAAAAIQAAABgAAAAUAAAAwAMAAN8JAAA/RwAAViIAABAAAAAmAAAACAAAAD0vAAAAAAAA"/>
+                <pr:smNativeData xmlns="smNativeData" xmlns:pr="smNativeData" xmlns:p15="http://schemas.microsoft.com/office/powerpoint/2012/main" xmlns:p14="http://schemas.microsoft.com/office/powerpoint/2010/main" xmlns:mc="http://schemas.openxmlformats.org/markup-compatibility/2006" val="SMDATA_15_q5OGZBMAAAAlAAAAZAAAAA0AAAAAAAAAAAAAAAAAAAAAAAAAAAAAAAAAAAAAAAAAAAEAAABQAAAAAAAAAAAA4D8AAAAAAADgPwAAAAAAAOA/AAAAAAAA4D8AAAAAAADgPwAAAAAAAOA/AAAAAAAA4D8AAAAAAADgPwAAAAAAAOA/AAAAAAAA4D8CAAAAjAAAAAAAAAAAAAAA////AP///wgAAAAAAAAAAAAAAAAAAAAAAAAAAAAAAAAAAAAAeAAAAAEAAABAAAAAAAAAAAAAAABaAAAAAAAAAAAAAAAAAAAAAAAAAAAAAAAAAAAAAAAAAAAAAAAAAAAAAAAAAAAAAAAAAAAAAAAAAAAAAAAAAAAAAAAAAAAAAAAAAAAAFAAAADwAAAAAAAAAAAAAAAAAAAAPAAAAAQAAACMAAAAjAAAAIwAAAB4AAAAAAAAAZAAAAGQAAAAAAAAAZAAAAGQAAAAVAAAAYAAAAAAAAAAAAAAADwAAACADAAAAAAAAAAAAAAEAAACgMgAAVgcAAKr4//8BAAAAf39/AAEAAABkAAAAAAAAABQAAABAHwAAAAAAACYAAAAAAAAAwOD//wAAAAAmAAAAZAAAABYAAABMAAAAAAAAAAAAAAAEAAAAAAAAAAEAAADn5uYKAAAAACgAAAAoAAAAZAAAAGQAAAAAAAAAzMzMAAAAAABQAAAAUAAAAGQAAABkAAAAAAAAABcAAAAUAAAAAAAAAAAAAAD/fwAA/38AAAAAAAAJAAAABAAAAGEAAAAeAAAAaAAAAAAAAAAAAAAAAAAAAAAAAAAAAAAAECcAABAnAAAAAAAAAAAAAAAAAAAAAAAAAAAAAAAAAAAAAAAAAAAAABQAAAAAAAAAwMD/AAAAAABkAAAAMgAAAAAAAABkAAAAAAAAAH9/fwAKAAAAIgAAABgAAAAAAAAAAAAAAAAAAAAAAAAAAAAAAAAAAAAkAAAAJAAAAAAAAAAHAAAAAAAAAAAAAAAAAAAAAAAAAAAAAAAAAAAAf39/ACUAAABYAAAAAAAAAAAAAAAAAAAAAAAAAAAAAAAAAAAAAAAAAAAAAAAAAAAAAAAAAAAAAAA/AAAAAAAAAKCGAQAAAAAAAAAAAAAAAAAMAAAAAQAAAAAAAAAAAAAAAAAAAB8AAABUAAAA////AAAAAAEAAAAAAAAAAAAAAAAAAAAAAAAAAAAAAAAAAAAAAAAAAAAAAAB/f38AAAAAA8zMzADAwP8Af39/AAAAAAAAAAAAAAAAAAAAAAAAAAAAIQAAABgAAAAUAAAAwAMAAN8JAAA/RwAAViIAABAAAAAmAAAACAAAAD0vAAAAAAAA"/>
               </a:ext>
             </a:extLst>
           </p:cNvSpPr>
@@ -9245,7 +9228,7 @@
                 <a:srgbClr val="000000"/>
               </a:buClr>
               <a:buSzPts val="1440"/>
-              <a:buFont typeface="Wingdings" pitchFamily="0" charset="2"/>
+              <a:buFont typeface="Wingdings" charset="2"/>
               <a:buChar char=""/>
               <a:defRPr lang="pt-br"/>
             </a:pPr>
@@ -9253,10 +9236,9 @@
               <a:rPr lang="en-us" sz="3200" cap="none"/>
               <a:t>Clique para editar o formato do texto da estrutura de tópicos</a:t>
             </a:r>
-            <a:endParaRPr lang="en-us" sz="3200" cap="none"/>
-          </a:p>
-          <a:p>
-            <a:pPr lvl="1" marL="864235" indent="-323850">
+          </a:p>
+          <a:p>
+            <a:pPr marL="864235" lvl="1" indent="-323850">
               <a:spcBef>
                 <a:spcPts val="1130"/>
               </a:spcBef>
@@ -9272,10 +9254,9 @@
               <a:rPr lang="en-us" sz="2800" cap="none"/>
               <a:t>2.º nível da estrutura de tópicos</a:t>
             </a:r>
-            <a:endParaRPr lang="en-us" sz="2800" cap="none"/>
-          </a:p>
-          <a:p>
-            <a:pPr lvl="2" marL="1296035" indent="-288290">
+          </a:p>
+          <a:p>
+            <a:pPr marL="1296035" lvl="2" indent="-288290">
               <a:spcBef>
                 <a:spcPts val="850"/>
               </a:spcBef>
@@ -9283,7 +9264,7 @@
                 <a:srgbClr val="000000"/>
               </a:buClr>
               <a:buSzPts val="1080"/>
-              <a:buFont typeface="Wingdings" pitchFamily="0" charset="2"/>
+              <a:buFont typeface="Wingdings" charset="2"/>
               <a:buChar char=""/>
               <a:defRPr lang="pt-br"/>
             </a:pPr>
@@ -9291,10 +9272,9 @@
               <a:rPr lang="en-us" sz="2400" cap="none"/>
               <a:t>3.º nível da estrutura de tópicos</a:t>
             </a:r>
-            <a:endParaRPr lang="en-us" sz="2400" cap="none"/>
-          </a:p>
-          <a:p>
-            <a:pPr lvl="3" marL="1727835" indent="-215900">
+          </a:p>
+          <a:p>
+            <a:pPr marL="1727835" lvl="3" indent="-215900">
               <a:spcBef>
                 <a:spcPts val="565"/>
               </a:spcBef>
@@ -9310,10 +9290,9 @@
               <a:rPr lang="en-us" sz="2000" cap="none"/>
               <a:t>4.º nível da estrutura de tópicos</a:t>
             </a:r>
-            <a:endParaRPr lang="en-us" sz="2000" cap="none"/>
-          </a:p>
-          <a:p>
-            <a:pPr lvl="4" marL="2160270" indent="-215900">
+          </a:p>
+          <a:p>
+            <a:pPr marL="2160270" lvl="4" indent="-215900">
               <a:spcBef>
                 <a:spcPts val="280"/>
               </a:spcBef>
@@ -9321,7 +9300,7 @@
                 <a:srgbClr val="000000"/>
               </a:buClr>
               <a:buSzPts val="900"/>
-              <a:buFont typeface="Wingdings" pitchFamily="0" charset="2"/>
+              <a:buFont typeface="Wingdings" charset="2"/>
               <a:buChar char=""/>
               <a:defRPr lang="pt-br"/>
             </a:pPr>
@@ -9329,10 +9308,9 @@
               <a:rPr lang="en-us" sz="2000" cap="none"/>
               <a:t>5.º nível da estrutura de tópicos</a:t>
             </a:r>
-            <a:endParaRPr lang="en-us" sz="2000" cap="none"/>
-          </a:p>
-          <a:p>
-            <a:pPr lvl="5" marL="2592070" indent="-215900">
+          </a:p>
+          <a:p>
+            <a:pPr marL="2592070" lvl="5" indent="-215900">
               <a:spcBef>
                 <a:spcPts val="280"/>
               </a:spcBef>
@@ -9340,7 +9318,7 @@
                 <a:srgbClr val="000000"/>
               </a:buClr>
               <a:buSzPts val="900"/>
-              <a:buFont typeface="Wingdings" pitchFamily="0" charset="2"/>
+              <a:buFont typeface="Wingdings" charset="2"/>
               <a:buChar char=""/>
               <a:defRPr lang="pt-br"/>
             </a:pPr>
@@ -9348,10 +9326,9 @@
               <a:rPr lang="en-us" sz="2000" cap="none"/>
               <a:t>6.º nível da estrutura de tópicos</a:t>
             </a:r>
-            <a:endParaRPr lang="en-us" sz="2000" cap="none"/>
-          </a:p>
-          <a:p>
-            <a:pPr lvl="6" marL="3023870" indent="-215900">
+          </a:p>
+          <a:p>
+            <a:pPr marL="3023870" lvl="6" indent="-215900">
               <a:spcBef>
                 <a:spcPts val="280"/>
               </a:spcBef>
@@ -9359,7 +9336,7 @@
                 <a:srgbClr val="000000"/>
               </a:buClr>
               <a:buSzPts val="900"/>
-              <a:buFont typeface="Wingdings" pitchFamily="0" charset="2"/>
+              <a:buFont typeface="Wingdings" charset="2"/>
               <a:buChar char=""/>
               <a:defRPr lang="pt-br"/>
             </a:pPr>
@@ -9367,7 +9344,6 @@
               <a:rPr lang="en-us" sz="2000" cap="none"/>
               <a:t>7.º nível da estrutura de tópicos</a:t>
             </a:r>
-            <a:endParaRPr lang="en-us" sz="2000" cap="none"/>
           </a:p>
         </p:txBody>
       </p:sp>
@@ -9409,8 +9385,8 @@
           </a:solidFill>
           <a:effectLst/>
           <a:latin typeface="Arial" pitchFamily="2" charset="0"/>
-          <a:ea typeface="DejaVu Sans" pitchFamily="0" charset="0"/>
-          <a:cs typeface="DejaVu Sans" pitchFamily="0" charset="0"/>
+          <a:ea typeface="DejaVu Sans" charset="0"/>
+          <a:cs typeface="DejaVu Sans" charset="0"/>
         </a:defRPr>
       </a:lvl1pPr>
       <a:lvl2pPr marL="457200" marR="0" indent="0" algn="l" defTabSz="914400">
@@ -9431,8 +9407,8 @@
           </a:solidFill>
           <a:effectLst/>
           <a:latin typeface="Arial" pitchFamily="2" charset="0"/>
-          <a:ea typeface="DejaVu Sans" pitchFamily="0" charset="0"/>
-          <a:cs typeface="DejaVu Sans" pitchFamily="0" charset="0"/>
+          <a:ea typeface="DejaVu Sans" charset="0"/>
+          <a:cs typeface="DejaVu Sans" charset="0"/>
         </a:defRPr>
       </a:lvl2pPr>
       <a:lvl3pPr marL="914400" marR="0" indent="0" algn="l" defTabSz="914400">
@@ -9453,8 +9429,8 @@
           </a:solidFill>
           <a:effectLst/>
           <a:latin typeface="Arial" pitchFamily="2" charset="0"/>
-          <a:ea typeface="DejaVu Sans" pitchFamily="0" charset="0"/>
-          <a:cs typeface="DejaVu Sans" pitchFamily="0" charset="0"/>
+          <a:ea typeface="DejaVu Sans" charset="0"/>
+          <a:cs typeface="DejaVu Sans" charset="0"/>
         </a:defRPr>
       </a:lvl3pPr>
       <a:lvl4pPr marL="1371600" marR="0" indent="0" algn="l" defTabSz="914400">
@@ -9475,8 +9451,8 @@
           </a:solidFill>
           <a:effectLst/>
           <a:latin typeface="Arial" pitchFamily="2" charset="0"/>
-          <a:ea typeface="DejaVu Sans" pitchFamily="0" charset="0"/>
-          <a:cs typeface="DejaVu Sans" pitchFamily="0" charset="0"/>
+          <a:ea typeface="DejaVu Sans" charset="0"/>
+          <a:cs typeface="DejaVu Sans" charset="0"/>
         </a:defRPr>
       </a:lvl4pPr>
       <a:lvl5pPr marL="1828800" marR="0" indent="0" algn="l" defTabSz="914400">
@@ -9497,8 +9473,8 @@
           </a:solidFill>
           <a:effectLst/>
           <a:latin typeface="Arial" pitchFamily="2" charset="0"/>
-          <a:ea typeface="DejaVu Sans" pitchFamily="0" charset="0"/>
-          <a:cs typeface="DejaVu Sans" pitchFamily="0" charset="0"/>
+          <a:ea typeface="DejaVu Sans" charset="0"/>
+          <a:cs typeface="DejaVu Sans" charset="0"/>
         </a:defRPr>
       </a:lvl5pPr>
       <a:lvl6pPr marL="2286000" marR="0" indent="0" algn="l" defTabSz="914400">
@@ -9519,8 +9495,8 @@
           </a:solidFill>
           <a:effectLst/>
           <a:latin typeface="Arial" pitchFamily="2" charset="0"/>
-          <a:ea typeface="DejaVu Sans" pitchFamily="0" charset="0"/>
-          <a:cs typeface="DejaVu Sans" pitchFamily="0" charset="0"/>
+          <a:ea typeface="DejaVu Sans" charset="0"/>
+          <a:cs typeface="DejaVu Sans" charset="0"/>
         </a:defRPr>
       </a:lvl6pPr>
       <a:lvl7pPr marL="2743200" marR="0" indent="0" algn="l" defTabSz="914400">
@@ -9541,8 +9517,8 @@
           </a:solidFill>
           <a:effectLst/>
           <a:latin typeface="Arial" pitchFamily="2" charset="0"/>
-          <a:ea typeface="DejaVu Sans" pitchFamily="0" charset="0"/>
-          <a:cs typeface="DejaVu Sans" pitchFamily="0" charset="0"/>
+          <a:ea typeface="DejaVu Sans" charset="0"/>
+          <a:cs typeface="DejaVu Sans" charset="0"/>
         </a:defRPr>
       </a:lvl7pPr>
       <a:lvl8pPr marL="3200400" marR="0" indent="0" algn="l" defTabSz="914400">
@@ -9563,8 +9539,8 @@
           </a:solidFill>
           <a:effectLst/>
           <a:latin typeface="Arial" pitchFamily="2" charset="0"/>
-          <a:ea typeface="DejaVu Sans" pitchFamily="0" charset="0"/>
-          <a:cs typeface="DejaVu Sans" pitchFamily="0" charset="0"/>
+          <a:ea typeface="DejaVu Sans" charset="0"/>
+          <a:cs typeface="DejaVu Sans" charset="0"/>
         </a:defRPr>
       </a:lvl8pPr>
       <a:lvl9pPr marL="3657600" marR="0" indent="0" algn="l" defTabSz="914400">
@@ -9585,8 +9561,8 @@
           </a:solidFill>
           <a:effectLst/>
           <a:latin typeface="Arial" pitchFamily="2" charset="0"/>
-          <a:ea typeface="DejaVu Sans" pitchFamily="0" charset="0"/>
-          <a:cs typeface="DejaVu Sans" pitchFamily="0" charset="0"/>
+          <a:ea typeface="DejaVu Sans" charset="0"/>
+          <a:cs typeface="DejaVu Sans" charset="0"/>
         </a:defRPr>
       </a:lvl9pPr>
     </p:titleStyle>
@@ -9612,8 +9588,8 @@
           </a:solidFill>
           <a:effectLst/>
           <a:latin typeface="Arial" pitchFamily="2" charset="0"/>
-          <a:ea typeface="DejaVu Sans" pitchFamily="0" charset="0"/>
-          <a:cs typeface="DejaVu Sans" pitchFamily="0" charset="0"/>
+          <a:ea typeface="DejaVu Sans" charset="0"/>
+          <a:cs typeface="DejaVu Sans" charset="0"/>
         </a:defRPr>
       </a:lvl1pPr>
       <a:lvl2pPr marL="685800" marR="0" indent="-228600" algn="l" defTabSz="914400">
@@ -9637,8 +9613,8 @@
           </a:solidFill>
           <a:effectLst/>
           <a:latin typeface="Arial" pitchFamily="2" charset="0"/>
-          <a:ea typeface="DejaVu Sans" pitchFamily="0" charset="0"/>
-          <a:cs typeface="DejaVu Sans" pitchFamily="0" charset="0"/>
+          <a:ea typeface="DejaVu Sans" charset="0"/>
+          <a:cs typeface="DejaVu Sans" charset="0"/>
         </a:defRPr>
       </a:lvl2pPr>
       <a:lvl3pPr marL="1143000" marR="0" indent="-228600" algn="l" defTabSz="914400">
@@ -9662,8 +9638,8 @@
           </a:solidFill>
           <a:effectLst/>
           <a:latin typeface="Arial" pitchFamily="2" charset="0"/>
-          <a:ea typeface="DejaVu Sans" pitchFamily="0" charset="0"/>
-          <a:cs typeface="DejaVu Sans" pitchFamily="0" charset="0"/>
+          <a:ea typeface="DejaVu Sans" charset="0"/>
+          <a:cs typeface="DejaVu Sans" charset="0"/>
         </a:defRPr>
       </a:lvl3pPr>
       <a:lvl4pPr marL="1600200" marR="0" indent="-228600" algn="l" defTabSz="914400">
@@ -9687,8 +9663,8 @@
           </a:solidFill>
           <a:effectLst/>
           <a:latin typeface="Arial" pitchFamily="2" charset="0"/>
-          <a:ea typeface="DejaVu Sans" pitchFamily="0" charset="0"/>
-          <a:cs typeface="DejaVu Sans" pitchFamily="0" charset="0"/>
+          <a:ea typeface="DejaVu Sans" charset="0"/>
+          <a:cs typeface="DejaVu Sans" charset="0"/>
         </a:defRPr>
       </a:lvl4pPr>
       <a:lvl5pPr marL="2057400" marR="0" indent="-228600" algn="l" defTabSz="914400">
@@ -9712,8 +9688,8 @@
           </a:solidFill>
           <a:effectLst/>
           <a:latin typeface="Arial" pitchFamily="2" charset="0"/>
-          <a:ea typeface="DejaVu Sans" pitchFamily="0" charset="0"/>
-          <a:cs typeface="DejaVu Sans" pitchFamily="0" charset="0"/>
+          <a:ea typeface="DejaVu Sans" charset="0"/>
+          <a:cs typeface="DejaVu Sans" charset="0"/>
         </a:defRPr>
       </a:lvl5pPr>
       <a:lvl6pPr marL="2514600" marR="0" indent="-228600" algn="l" defTabSz="914400">
@@ -9737,8 +9713,8 @@
           </a:solidFill>
           <a:effectLst/>
           <a:latin typeface="Arial" pitchFamily="2" charset="0"/>
-          <a:ea typeface="DejaVu Sans" pitchFamily="0" charset="0"/>
-          <a:cs typeface="DejaVu Sans" pitchFamily="0" charset="0"/>
+          <a:ea typeface="DejaVu Sans" charset="0"/>
+          <a:cs typeface="DejaVu Sans" charset="0"/>
         </a:defRPr>
       </a:lvl6pPr>
       <a:lvl7pPr marL="2971800" marR="0" indent="-228600" algn="l" defTabSz="914400">
@@ -9762,8 +9738,8 @@
           </a:solidFill>
           <a:effectLst/>
           <a:latin typeface="Arial" pitchFamily="2" charset="0"/>
-          <a:ea typeface="DejaVu Sans" pitchFamily="0" charset="0"/>
-          <a:cs typeface="DejaVu Sans" pitchFamily="0" charset="0"/>
+          <a:ea typeface="DejaVu Sans" charset="0"/>
+          <a:cs typeface="DejaVu Sans" charset="0"/>
         </a:defRPr>
       </a:lvl7pPr>
       <a:lvl8pPr marL="3429000" marR="0" indent="-228600" algn="l" defTabSz="914400">
@@ -9787,8 +9763,8 @@
           </a:solidFill>
           <a:effectLst/>
           <a:latin typeface="Arial" pitchFamily="2" charset="0"/>
-          <a:ea typeface="DejaVu Sans" pitchFamily="0" charset="0"/>
-          <a:cs typeface="DejaVu Sans" pitchFamily="0" charset="0"/>
+          <a:ea typeface="DejaVu Sans" charset="0"/>
+          <a:cs typeface="DejaVu Sans" charset="0"/>
         </a:defRPr>
       </a:lvl8pPr>
       <a:lvl9pPr marL="3886200" marR="0" indent="-228600" algn="l" defTabSz="914400">
@@ -9812,8 +9788,8 @@
           </a:solidFill>
           <a:effectLst/>
           <a:latin typeface="Arial" pitchFamily="2" charset="0"/>
-          <a:ea typeface="DejaVu Sans" pitchFamily="0" charset="0"/>
-          <a:cs typeface="DejaVu Sans" pitchFamily="0" charset="0"/>
+          <a:ea typeface="DejaVu Sans" charset="0"/>
+          <a:cs typeface="DejaVu Sans" charset="0"/>
         </a:defRPr>
       </a:lvl9pPr>
     </p:bodyStyle>
@@ -9836,8 +9812,8 @@
           </a:solidFill>
           <a:effectLst/>
           <a:latin typeface="Arial" pitchFamily="2" charset="0"/>
-          <a:ea typeface="DejaVu Sans" pitchFamily="0" charset="0"/>
-          <a:cs typeface="DejaVu Sans" pitchFamily="0" charset="0"/>
+          <a:ea typeface="DejaVu Sans" charset="0"/>
+          <a:cs typeface="DejaVu Sans" charset="0"/>
         </a:defRPr>
       </a:lvl1pPr>
       <a:lvl2pPr marL="457200" marR="0" indent="0" algn="l" defTabSz="914400">
@@ -9858,8 +9834,8 @@
           </a:solidFill>
           <a:effectLst/>
           <a:latin typeface="Arial" pitchFamily="2" charset="0"/>
-          <a:ea typeface="DejaVu Sans" pitchFamily="0" charset="0"/>
-          <a:cs typeface="DejaVu Sans" pitchFamily="0" charset="0"/>
+          <a:ea typeface="DejaVu Sans" charset="0"/>
+          <a:cs typeface="DejaVu Sans" charset="0"/>
         </a:defRPr>
       </a:lvl2pPr>
       <a:lvl3pPr marL="914400" marR="0" indent="0" algn="l" defTabSz="914400">
@@ -9880,8 +9856,8 @@
           </a:solidFill>
           <a:effectLst/>
           <a:latin typeface="Arial" pitchFamily="2" charset="0"/>
-          <a:ea typeface="DejaVu Sans" pitchFamily="0" charset="0"/>
-          <a:cs typeface="DejaVu Sans" pitchFamily="0" charset="0"/>
+          <a:ea typeface="DejaVu Sans" charset="0"/>
+          <a:cs typeface="DejaVu Sans" charset="0"/>
         </a:defRPr>
       </a:lvl3pPr>
       <a:lvl4pPr marL="1371600" marR="0" indent="0" algn="l" defTabSz="914400">
@@ -9902,8 +9878,8 @@
           </a:solidFill>
           <a:effectLst/>
           <a:latin typeface="Arial" pitchFamily="2" charset="0"/>
-          <a:ea typeface="DejaVu Sans" pitchFamily="0" charset="0"/>
-          <a:cs typeface="DejaVu Sans" pitchFamily="0" charset="0"/>
+          <a:ea typeface="DejaVu Sans" charset="0"/>
+          <a:cs typeface="DejaVu Sans" charset="0"/>
         </a:defRPr>
       </a:lvl4pPr>
       <a:lvl5pPr marL="1828800" marR="0" indent="0" algn="l" defTabSz="914400">
@@ -9924,8 +9900,8 @@
           </a:solidFill>
           <a:effectLst/>
           <a:latin typeface="Arial" pitchFamily="2" charset="0"/>
-          <a:ea typeface="DejaVu Sans" pitchFamily="0" charset="0"/>
-          <a:cs typeface="DejaVu Sans" pitchFamily="0" charset="0"/>
+          <a:ea typeface="DejaVu Sans" charset="0"/>
+          <a:cs typeface="DejaVu Sans" charset="0"/>
         </a:defRPr>
       </a:lvl5pPr>
       <a:lvl6pPr marL="2286000" marR="0" indent="0" algn="l" defTabSz="914400">
@@ -9946,8 +9922,8 @@
           </a:solidFill>
           <a:effectLst/>
           <a:latin typeface="Arial" pitchFamily="2" charset="0"/>
-          <a:ea typeface="DejaVu Sans" pitchFamily="0" charset="0"/>
-          <a:cs typeface="DejaVu Sans" pitchFamily="0" charset="0"/>
+          <a:ea typeface="DejaVu Sans" charset="0"/>
+          <a:cs typeface="DejaVu Sans" charset="0"/>
         </a:defRPr>
       </a:lvl6pPr>
       <a:lvl7pPr marL="2743200" marR="0" indent="0" algn="l" defTabSz="914400">
@@ -9968,8 +9944,8 @@
           </a:solidFill>
           <a:effectLst/>
           <a:latin typeface="Arial" pitchFamily="2" charset="0"/>
-          <a:ea typeface="DejaVu Sans" pitchFamily="0" charset="0"/>
-          <a:cs typeface="DejaVu Sans" pitchFamily="0" charset="0"/>
+          <a:ea typeface="DejaVu Sans" charset="0"/>
+          <a:cs typeface="DejaVu Sans" charset="0"/>
         </a:defRPr>
       </a:lvl7pPr>
       <a:lvl8pPr marL="3200400" marR="0" indent="0" algn="l" defTabSz="914400">
@@ -9990,8 +9966,8 @@
           </a:solidFill>
           <a:effectLst/>
           <a:latin typeface="Arial" pitchFamily="2" charset="0"/>
-          <a:ea typeface="DejaVu Sans" pitchFamily="0" charset="0"/>
-          <a:cs typeface="DejaVu Sans" pitchFamily="0" charset="0"/>
+          <a:ea typeface="DejaVu Sans" charset="0"/>
+          <a:cs typeface="DejaVu Sans" charset="0"/>
         </a:defRPr>
       </a:lvl8pPr>
       <a:lvl9pPr marL="3657600" marR="0" indent="0" algn="l" defTabSz="914400">
@@ -10012,8 +9988,8 @@
           </a:solidFill>
           <a:effectLst/>
           <a:latin typeface="Arial" pitchFamily="2" charset="0"/>
-          <a:ea typeface="DejaVu Sans" pitchFamily="0" charset="0"/>
-          <a:cs typeface="DejaVu Sans" pitchFamily="0" charset="0"/>
+          <a:ea typeface="DejaVu Sans" charset="0"/>
+          <a:cs typeface="DejaVu Sans" charset="0"/>
         </a:defRPr>
       </a:lvl9pPr>
     </p:otherStyle>
@@ -10022,7 +9998,7 @@
 </file>
 
 <file path=ppt/slides/slide1.xml><?xml version="1.0" encoding="utf-8"?>
-<p:sld xmlns:p="http://schemas.openxmlformats.org/presentationml/2006/main" xmlns:mc="http://schemas.openxmlformats.org/markup-compatibility/2006" xmlns:p14="http://schemas.microsoft.com/office/powerpoint/2010/main" xmlns:p15="http://schemas.microsoft.com/office/powerpoint/2012/main" xmlns:r="http://schemas.openxmlformats.org/officeDocument/2006/relationships" xmlns:a="http://schemas.openxmlformats.org/drawingml/2006/main" mc:Ignorable="p14">
+<p:sld xmlns:a="http://schemas.openxmlformats.org/drawingml/2006/main" xmlns:r="http://schemas.openxmlformats.org/officeDocument/2006/relationships" xmlns:p="http://schemas.openxmlformats.org/presentationml/2006/main">
   <p:cSld>
     <p:bg>
       <p:bgPr>
@@ -10052,7 +10028,7 @@
           <p:cNvSpPr>
             <a:extLst>
               <a:ext uri="smNativeData">
-                <pr:smNativeData xmlns:pr="smNativeData" xmlns="smNativeData" val="SMDATA_15_q5OGZBMAAAAlAAAAqgAAAA0AAAAAkAAAAEgAAACQAAAASAAAAAAAAAAAAAAAAAAAAAEAAABQAAAAda9fBcX/xz8AAAAAAADgPwAAAAAAAOA/AAAAAAAA4D8AAAAAAADgPwAAAAAAAOA/AAAAAAAA4D8AAAAAAADgPwAAAAAAAOA/AAAAAAAA4D8CAAAAjAAAAAEAAAAAAAAANEBQAP///wgAAAAAAAAAAAAAAAAAAAAAAAAAAAAAAAAAAAAAZAAAAAEAAABAAAAAAAAAAAAAAAAAAAAAAAAAAAAAAAAAAAAAAAAAAAAAAAAAAAAAAAAAAAAAAAAAAAAAAAAAAAAAAAAAAAAAAAAAAAAAAAAAAAAAAAAAAAAAAAAAAAAAFAAAADwAAAABAAAAAAAAAP///wgoAAAAAQAAABQAAAAUAAAAFAAAAAEAAAAAAAAAZAAAAGQAAAAAAAAAZAAAAGQAAAAVAAAAYAAAAAAAAAAAAAAADwAAACADAAAAAAAAAAAAAAEAAACgMgAAVgcAAKr4//8BAAAAf39/AAEAAABkAAAAAAAAABQAAABAHwAAAAAAACYAAAAAAAAAwOD//wAAAAAmAAAAZAAAABYAAABMAAAAAAAAAAAAAAAEAAAAAAAAAAEAAADn5uYKAAAAACgAAAAoAAAAZAAAAGQAAAAAAAAAzMzMAAAAAABQAAAAUAAAAGQAAABkAAAAAAAAABcAAAAUAAAAAAAAAAAAAAD/fwAA/38AAAAAAAAJAAAABAAAAAAAAAAeAAAAaAAAAAAAAAAAAAAAAAAAAAAAAAAAAAAAECcAABAnAAAAAAAAAAAAAAAAAAAAAAAAAAAAAAAAAAAAAAAAAAAAABQAAAAAAAAAwMD/AAAAAABkAAAAMgAAAAAAAABkAAAAAAAAAH9/fwAKAAAAIgAAABgAAAAAAAAAAAAAAAAAAAAAAAAAAAAAAAAAAAAkAAAAJAAAAAAAAAAHAAAAAAAAAAAAAAAAAAAAAAAAAAAAAAAAAAAAf39/ACUAAABYAAAAAAAAAAAAAAAAAAAAAAAAAAAAAAAAAAAAAAAAAAAAAAAAAAAAAAAAAAAAAAA/AAAAAAAAAKCGAQAAAAAAAAAAAAAAAAAMAAAAAQAAAAAAAAAAAAAAAAAAAB8AAABUAAAANEBQAP///wEAAAAAAAAAAAAAAAAAAAAAAAAAAAAAAAAAAAAAAAAAAP///wF/f38A5+bmA8zMzADAwP8Af39/AAAAAAAAAAAAAAAAAAAAAAAAAAAAIQAAABgAAAAUAAAAAAAAAAAAAAD/SgAALyoAABAAAAAmAAAACAAAAP//////////"/>
+                <pr:smNativeData xmlns="smNativeData" xmlns:pr="smNativeData" xmlns:p15="http://schemas.microsoft.com/office/powerpoint/2012/main" xmlns:p14="http://schemas.microsoft.com/office/powerpoint/2010/main" xmlns:mc="http://schemas.openxmlformats.org/markup-compatibility/2006" val="SMDATA_15_q5OGZBMAAAAlAAAAqgAAAA0AAAAAkAAAAEgAAACQAAAASAAAAAAAAAAAAAAAAAAAAAEAAABQAAAAda9fBcX/xz8AAAAAAADgPwAAAAAAAOA/AAAAAAAA4D8AAAAAAADgPwAAAAAAAOA/AAAAAAAA4D8AAAAAAADgPwAAAAAAAOA/AAAAAAAA4D8CAAAAjAAAAAEAAAAAAAAANEBQAP///wgAAAAAAAAAAAAAAAAAAAAAAAAAAAAAAAAAAAAAZAAAAAEAAABAAAAAAAAAAAAAAAAAAAAAAAAAAAAAAAAAAAAAAAAAAAAAAAAAAAAAAAAAAAAAAAAAAAAAAAAAAAAAAAAAAAAAAAAAAAAAAAAAAAAAAAAAAAAAAAAAAAAAFAAAADwAAAABAAAAAAAAAP///wgoAAAAAQAAABQAAAAUAAAAFAAAAAEAAAAAAAAAZAAAAGQAAAAAAAAAZAAAAGQAAAAVAAAAYAAAAAAAAAAAAAAADwAAACADAAAAAAAAAAAAAAEAAACgMgAAVgcAAKr4//8BAAAAf39/AAEAAABkAAAAAAAAABQAAABAHwAAAAAAACYAAAAAAAAAwOD//wAAAAAmAAAAZAAAABYAAABMAAAAAAAAAAAAAAAEAAAAAAAAAAEAAADn5uYKAAAAACgAAAAoAAAAZAAAAGQAAAAAAAAAzMzMAAAAAABQAAAAUAAAAGQAAABkAAAAAAAAABcAAAAUAAAAAAAAAAAAAAD/fwAA/38AAAAAAAAJAAAABAAAAAAAAAAeAAAAaAAAAAAAAAAAAAAAAAAAAAAAAAAAAAAAECcAABAnAAAAAAAAAAAAAAAAAAAAAAAAAAAAAAAAAAAAAAAAAAAAABQAAAAAAAAAwMD/AAAAAABkAAAAMgAAAAAAAABkAAAAAAAAAH9/fwAKAAAAIgAAABgAAAAAAAAAAAAAAAAAAAAAAAAAAAAAAAAAAAAkAAAAJAAAAAAAAAAHAAAAAAAAAAAAAAAAAAAAAAAAAAAAAAAAAAAAf39/ACUAAABYAAAAAAAAAAAAAAAAAAAAAAAAAAAAAAAAAAAAAAAAAAAAAAAAAAAAAAAAAAAAAAA/AAAAAAAAAKCGAQAAAAAAAAAAAAAAAAAMAAAAAQAAAAAAAAAAAAAAAAAAAB8AAABUAAAANEBQAP///wEAAAAAAAAAAAAAAAAAAAAAAAAAAAAAAAAAAAAAAAAAAP///wF/f38A5+bmA8zMzADAwP8Af39/AAAAAAAAAAAAAAAAAAAAAAAAAAAAIQAAABgAAAAUAAAAAAAAAAAAAAD/SgAALyoAABAAAAAmAAAACAAAAP//////////"/>
               </a:ext>
             </a:extLst>
           </p:cNvSpPr>
@@ -10088,7 +10064,7 @@
           <p:cNvSpPr>
             <a:extLst>
               <a:ext uri="smNativeData">
-                <pr:smNativeData xmlns:pr="smNativeData" xmlns="smNativeData" val="SMDATA_15_q5OGZBMAAAAlAAAAZAAAAA0AAAAAjgAAAEcAAACOAAAARwAAAAAAAAABAAAAAAAAAAEAAABQAAAAAAAAAAAA4D8AAAAAAADgPwAAAAAAAOA/AAAAAAAA4D8AAAAAAADgPwAAAAAAAOA/AAAAAAAA4D8AAAAAAADgPwAAAAAAAOA/AAAAAAAA4D8CAAAAjAAAAAEAAAAAAAAAIis1AP///wgAAAAAAAAAAAAAAAAAAAAAAAAAAAAAAAAAAAAAZAAAAAEAAABAAAAAAAAAAAAAAAAAAAAAAAAAAAAAAAAAAAAAAAAAAAAAAAAAAAAAAAAAAAAAAAAAAAAAAAAAAAAAAAAAAAAAAAAAAAAAAAAAAAAAAAAAAAAAAAAAAAAAFAAAADwAAAABAAAAAAAAAOfm5gooAAAAAQAAABQAAAAUAAAAFAAAAAEAAAAAAAAAZAAAAGQAAAAAAAAAZAAAAGQAAAAVAAAAYAAAAAAAAAAAAAAADwAAACADAAAAAAAAAAAAAAEAAACgMgAAVgcAAKr4//8BAAAAf39/AAEAAABkAAAAAAAAABQAAABAHwAAAAAAACYAAAAAAAAAwOD//wAAAAAmAAAAZAAAABYAAABMAAAAAAAAAAAAAAAEAAAAAAAAAAEAAADn5uYKAAAAACgAAAAoAAAAZAAAAGQAAAAAAAAAzMzMAAAAAABQAAAAUAAAAGQAAABkAAAAAAAAABcAAAAUAAAAAAAAAAAAAAD/fwAA/38AAAAAAAAJAAAABAAAAAAAAAAeAAAAaAAAAAAAAAAAAAAAAAAAAAAAAAAAAAAAECcAABAnAAAAAAAAAAAAAAAAAAAAAAAAAAAAAAAAAAAAAAAAAAAAABQAAAAAAAAAwMD/AAAAAABkAAAAMgAAAAAAAABkAAAAAAAAAH9/fwAKAAAAIgAAABgAAAAAAAAAAAAAAAAAAAAAAAAAAAAAAAAAAAAkAAAAJAAAAAAAAAAHAAAAAAAAAAAAAAAAAAAAAAAAAAAAAAAAAAAAf39/ACUAAABYAAAAAAAAAAAAAAAAAAAAAAAAAAAAAAAAAAAAAAAAAAAAAAAAAAAAAAAAAAAAAAA/AAAAAAAAAKCGAQAAAAAAAAAAAAAAAAAMAAAAAQAAAAAAAAAAAAAAAAAAAB8AAABUAAAAIis1AP///wEAAAAAAAAAAAAAAAAAAAAAAAAAAAAAAAAAAAAAAAAAAOfm5gN/f38A5+bmA8zMzADAwP8Af39/AAAAAAAAAAAAAAAAAAAAAAAAAAAAIQAAABgAAAAUAAAAzg4AAIQMAAAxPAAAqx0AABAAAAAmAAAACAAAAP//////////"/>
+                <pr:smNativeData xmlns="smNativeData" xmlns:pr="smNativeData" xmlns:p15="http://schemas.microsoft.com/office/powerpoint/2012/main" xmlns:p14="http://schemas.microsoft.com/office/powerpoint/2010/main" xmlns:mc="http://schemas.openxmlformats.org/markup-compatibility/2006" val="SMDATA_15_q5OGZBMAAAAlAAAAZAAAAA0AAAAAjgAAAEcAAACOAAAARwAAAAAAAAABAAAAAAAAAAEAAABQAAAAAAAAAAAA4D8AAAAAAADgPwAAAAAAAOA/AAAAAAAA4D8AAAAAAADgPwAAAAAAAOA/AAAAAAAA4D8AAAAAAADgPwAAAAAAAOA/AAAAAAAA4D8CAAAAjAAAAAEAAAAAAAAAIis1AP///wgAAAAAAAAAAAAAAAAAAAAAAAAAAAAAAAAAAAAAZAAAAAEAAABAAAAAAAAAAAAAAAAAAAAAAAAAAAAAAAAAAAAAAAAAAAAAAAAAAAAAAAAAAAAAAAAAAAAAAAAAAAAAAAAAAAAAAAAAAAAAAAAAAAAAAAAAAAAAAAAAAAAAFAAAADwAAAABAAAAAAAAAOfm5gooAAAAAQAAABQAAAAUAAAAFAAAAAEAAAAAAAAAZAAAAGQAAAAAAAAAZAAAAGQAAAAVAAAAYAAAAAAAAAAAAAAADwAAACADAAAAAAAAAAAAAAEAAACgMgAAVgcAAKr4//8BAAAAf39/AAEAAABkAAAAAAAAABQAAABAHwAAAAAAACYAAAAAAAAAwOD//wAAAAAmAAAAZAAAABYAAABMAAAAAAAAAAAAAAAEAAAAAAAAAAEAAADn5uYKAAAAACgAAAAoAAAAZAAAAGQAAAAAAAAAzMzMAAAAAABQAAAAUAAAAGQAAABkAAAAAAAAABcAAAAUAAAAAAAAAAAAAAD/fwAA/38AAAAAAAAJAAAABAAAAAAAAAAeAAAAaAAAAAAAAAAAAAAAAAAAAAAAAAAAAAAAECcAABAnAAAAAAAAAAAAAAAAAAAAAAAAAAAAAAAAAAAAAAAAAAAAABQAAAAAAAAAwMD/AAAAAABkAAAAMgAAAAAAAABkAAAAAAAAAH9/fwAKAAAAIgAAABgAAAAAAAAAAAAAAAAAAAAAAAAAAAAAAAAAAAAkAAAAJAAAAAAAAAAHAAAAAAAAAAAAAAAAAAAAAAAAAAAAAAAAAAAAf39/ACUAAABYAAAAAAAAAAAAAAAAAAAAAAAAAAAAAAAAAAAAAAAAAAAAAAAAAAAAAAAAAAAAAAA/AAAAAAAAAKCGAQAAAAAAAAAAAAAAAAAMAAAAAQAAAAAAAAAAAAAAAAAAAB8AAABUAAAAIis1AP///wEAAAAAAAAAAAAAAAAAAAAAAAAAAAAAAAAAAAAAAAAAAOfm5gN/f38A5+bmA8zMzADAwP8Af39/AAAAAAAAAAAAAAAAAAAAAAAAAAAAIQAAABgAAAAUAAAAzg4AAIQMAAAxPAAAqx0AABAAAAAmAAAACAAAAP//////////"/>
               </a:ext>
             </a:extLst>
           </p:cNvSpPr>
@@ -10125,8 +10101,8 @@
               </a:lnSpc>
               <a:defRPr lang="pt-br" cap="none">
                 <a:latin typeface="Arial" pitchFamily="2" charset="0"/>
-                <a:ea typeface="DejaVu Sans" pitchFamily="0" charset="0"/>
-                <a:cs typeface="DejaVu Sans" pitchFamily="0" charset="0"/>
+                <a:ea typeface="DejaVu Sans" charset="0"/>
+                <a:cs typeface="DejaVu Sans" charset="0"/>
               </a:defRPr>
             </a:pPr>
             <a:r>
@@ -10135,8 +10111,8 @@
                   <a:srgbClr val="FFFFFF"/>
                 </a:solidFill>
                 <a:latin typeface="Calibri" pitchFamily="2" charset="0"/>
-                <a:ea typeface="DejaVu Sans" pitchFamily="0" charset="0"/>
-                <a:cs typeface="DejaVu Sans" pitchFamily="0" charset="0"/>
+                <a:ea typeface="DejaVu Sans" charset="0"/>
+                <a:cs typeface="DejaVu Sans" charset="0"/>
               </a:rPr>
               <a:t>Programação orientada a objetos</a:t>
             </a:r>
@@ -10149,18 +10125,11 @@
   <p:clrMapOvr>
     <a:masterClrMapping/>
   </p:clrMapOvr>
-  <p:timing>
-    <p:tnLst>
-      <p:par>
-        <p:cTn id="1" dur="indefinite" restart="never" nodeType="tmRoot"/>
-      </p:par>
-    </p:tnLst>
-  </p:timing>
 </p:sld>
 </file>
 
 <file path=ppt/slides/slide10.xml><?xml version="1.0" encoding="utf-8"?>
-<p:sld xmlns:p="http://schemas.openxmlformats.org/presentationml/2006/main" xmlns:mc="http://schemas.openxmlformats.org/markup-compatibility/2006" xmlns:p14="http://schemas.microsoft.com/office/powerpoint/2010/main" xmlns:p15="http://schemas.microsoft.com/office/powerpoint/2012/main" xmlns:r="http://schemas.openxmlformats.org/officeDocument/2006/relationships" xmlns:a="http://schemas.openxmlformats.org/drawingml/2006/main" mc:Ignorable="p14">
+<p:sld xmlns:a="http://schemas.openxmlformats.org/drawingml/2006/main" xmlns:r="http://schemas.openxmlformats.org/officeDocument/2006/relationships" xmlns:p="http://schemas.openxmlformats.org/presentationml/2006/main">
   <p:cSld>
     <p:bg>
       <p:bgPr>
@@ -10190,7 +10159,7 @@
           <p:cNvSpPr>
             <a:extLst>
               <a:ext uri="smNativeData">
-                <pr:smNativeData xmlns:pr="smNativeData" xmlns="smNativeData" val="SMDATA_15_q5OGZBMAAAAlAAAAqgAAAA0AAAAAkAAAAEgAAACQAAAASAAAAAAAAAAAAAAAAAAAAAEAAABQAAAAda9fBcX/xz8AAAAAAADgPwAAAAAAAOA/AAAAAAAA4D8AAAAAAADgPwAAAAAAAOA/AAAAAAAA4D8AAAAAAADgPwAAAAAAAOA/AAAAAAAA4D8CAAAAjAAAAAEAAAAAAAAANEBQAP///wgAAAAAAAAAAAAAAAAAAAAAAAAAAAAAAAAAAAAAZAAAAAEAAABAAAAAAAAAAAAAAAAAAAAAAAAAAAAAAAAAAAAAAAAAAAAAAAAAAAAAAAAAAAAAAAAAAAAAAAAAAAAAAAAAAAAAAAAAAAAAAAAAAAAAAAAAAAAAAAAAAAAAFAAAADwAAAABAAAAAAAAAP///wgoAAAAAQAAABQAAAAUAAAAFAAAAAEAAAAAAAAAZAAAAGQAAAAAAAAAZAAAAGQAAAAVAAAAYAAAAAAAAAAAAAAADwAAACADAAAAAAAAAAAAAAEAAACgMgAAVgcAAKr4//8BAAAAf39/AAEAAABkAAAAAAAAABQAAABAHwAAAAAAACYAAAAAAAAAwOD//wAAAAAmAAAAZAAAABYAAABMAAAAAAAAAAAAAAAEAAAAAAAAAAEAAADn5uYKAAAAACgAAAAoAAAAZAAAAGQAAAAAAAAAzMzMAAAAAABQAAAAUAAAAGQAAABkAAAAAAAAABcAAAAUAAAAAAAAAAAAAAD/fwAA/38AAAAAAAAJAAAABAAAAF8AYAAeAAAAaAAAAAAAAAAAAAAAAAAAAAAAAAAAAAAAECcAABAnAAAAAAAAAAAAAAAAAAAAAAAAAAAAAAAAAAAAAAAAAAAAABQAAAAAAAAAwMD/AAAAAABkAAAAMgAAAAAAAABkAAAAAAAAAH9/fwAKAAAAIgAAABgAAAAAAAAAAAAAAAAAAAAAAAAAAAAAAAAAAAAkAAAAJAAAAAAAAAAHAAAAAAAAAAAAAAAAAAAAAAAAAAAAAAAAAAAAf39/ACUAAABYAAAAAAAAAAAAAAAAAAAAAAAAAAAAAAAAAAAAAAAAAAAAAAAAAAAAAAAAAAAAAAA/AAAAAAAAAKCGAQAAAAAAAAAAAAAAAAAMAAAAAQAAAAAAAAAAAAAAAAAAAB8AAABUAAAANEBQAP///wEAAAAAAAAAAAAAAAAAAAAAAAAAAAAAAAAAAAAAAAAAAP///wF/f38A5+bmA8zMzADAwP8Af39/AAAAAAAAAAAAAAAAAAAAAAAAAAAAIQAAABgAAAAUAAAAAAAAAAAAAAD/SgAALyoAABAAAAAmAAAACAAAAP//////////"/>
+                <pr:smNativeData xmlns="smNativeData" xmlns:pr="smNativeData" xmlns:p15="http://schemas.microsoft.com/office/powerpoint/2012/main" xmlns:p14="http://schemas.microsoft.com/office/powerpoint/2010/main" xmlns:mc="http://schemas.openxmlformats.org/markup-compatibility/2006" val="SMDATA_15_q5OGZBMAAAAlAAAAqgAAAA0AAAAAkAAAAEgAAACQAAAASAAAAAAAAAAAAAAAAAAAAAEAAABQAAAAda9fBcX/xz8AAAAAAADgPwAAAAAAAOA/AAAAAAAA4D8AAAAAAADgPwAAAAAAAOA/AAAAAAAA4D8AAAAAAADgPwAAAAAAAOA/AAAAAAAA4D8CAAAAjAAAAAEAAAAAAAAANEBQAP///wgAAAAAAAAAAAAAAAAAAAAAAAAAAAAAAAAAAAAAZAAAAAEAAABAAAAAAAAAAAAAAAAAAAAAAAAAAAAAAAAAAAAAAAAAAAAAAAAAAAAAAAAAAAAAAAAAAAAAAAAAAAAAAAAAAAAAAAAAAAAAAAAAAAAAAAAAAAAAAAAAAAAAFAAAADwAAAABAAAAAAAAAP///wgoAAAAAQAAABQAAAAUAAAAFAAAAAEAAAAAAAAAZAAAAGQAAAAAAAAAZAAAAGQAAAAVAAAAYAAAAAAAAAAAAAAADwAAACADAAAAAAAAAAAAAAEAAACgMgAAVgcAAKr4//8BAAAAf39/AAEAAABkAAAAAAAAABQAAABAHwAAAAAAACYAAAAAAAAAwOD//wAAAAAmAAAAZAAAABYAAABMAAAAAAAAAAAAAAAEAAAAAAAAAAEAAADn5uYKAAAAACgAAAAoAAAAZAAAAGQAAAAAAAAAzMzMAAAAAABQAAAAUAAAAGQAAABkAAAAAAAAABcAAAAUAAAAAAAAAAAAAAD/fwAA/38AAAAAAAAJAAAABAAAAF8AYAAeAAAAaAAAAAAAAAAAAAAAAAAAAAAAAAAAAAAAECcAABAnAAAAAAAAAAAAAAAAAAAAAAAAAAAAAAAAAAAAAAAAAAAAABQAAAAAAAAAwMD/AAAAAABkAAAAMgAAAAAAAABkAAAAAAAAAH9/fwAKAAAAIgAAABgAAAAAAAAAAAAAAAAAAAAAAAAAAAAAAAAAAAAkAAAAJAAAAAAAAAAHAAAAAAAAAAAAAAAAAAAAAAAAAAAAAAAAAAAAf39/ACUAAABYAAAAAAAAAAAAAAAAAAAAAAAAAAAAAAAAAAAAAAAAAAAAAAAAAAAAAAAAAAAAAAA/AAAAAAAAAKCGAQAAAAAAAAAAAAAAAAAMAAAAAQAAAAAAAAAAAAAAAAAAAB8AAABUAAAANEBQAP///wEAAAAAAAAAAAAAAAAAAAAAAAAAAAAAAAAAAAAAAAAAAP///wF/f38A5+bmA8zMzADAwP8Af39/AAAAAAAAAAAAAAAAAAAAAAAAAAAAIQAAABgAAAAUAAAAAAAAAAAAAAD/SgAALyoAABAAAAAmAAAACAAAAP//////////"/>
               </a:ext>
             </a:extLst>
           </p:cNvSpPr>
@@ -10226,7 +10195,7 @@
           <p:cNvSpPr>
             <a:extLst>
               <a:ext uri="smNativeData">
-                <pr:smNativeData xmlns:pr="smNativeData" xmlns="smNativeData" val="SMDATA_15_q5OGZBMAAAAlAAAAZAAAAA0AAAAAjgAAAEcAAACOAAAARwAAAAAAAAABAAAAAAAAAAEAAABQAAAAAAAAAAAA4D8AAAAAAADgPwAAAAAAAOA/AAAAAAAA4D8AAAAAAADgPwAAAAAAAOA/AAAAAAAA4D8AAAAAAADgPwAAAAAAAOA/AAAAAAAA4D8CAAAAjAAAAAEAAAAAAAAAIis1AP///wgAAAAAAAAAAAAAAAAAAAAAAAAAAAAAAAAAAAAAZAAAAAEAAABAAAAAAAAAAAAAAAAAAAAAAAAAAAAAAAAAAAAAAAAAAAAAAAAAAAAAAAAAAAAAAAAAAAAAAAAAAAAAAAAAAAAAAAAAAAAAAAAAAAAAAAAAAAAAAAAAAAAAFAAAADwAAAABAAAAAAAAAOfm5gooAAAAAQAAABQAAAAUAAAAFAAAAAEAAAAAAAAAZAAAAGQAAAAAAAAAZAAAAGQAAAAVAAAAYAAAAAAAAAAAAAAADwAAACADAAAAAAAAAAAAAAEAAACgMgAAVgcAAKr4//8BAAAAf39/AAEAAABkAAAAAAAAABQAAABAHwAAAAAAACYAAAAAAAAAwOD//wAAAAAmAAAAZAAAABYAAABMAAAAAAAAAAAAAAAEAAAAAAAAAAEAAADn5uYKAAAAACgAAAAoAAAAZAAAAGQAAAAAAAAAzMzMAAAAAABQAAAAUAAAAGQAAABkAAAAAAAAABcAAAAUAAAAAAAAAAAAAAD/fwAA/38AAAAAAAAJAAAABAAAAJXSfIMeAAAAaAAAAAAAAAAAAAAAAAAAAAAAAAAAAAAAECcAABAnAAAAAAAAAAAAAAAAAAAAAAAAAAAAAAAAAAAAAAAAAAAAABQAAAAAAAAAwMD/AAAAAABkAAAAMgAAAAAAAABkAAAAAAAAAH9/fwAKAAAAIgAAABgAAAAAAAAAAAAAAAAAAAAAAAAAAAAAAAAAAAAkAAAAJAAAAAAAAAAHAAAAAAAAAAAAAAAAAAAAAAAAAAAAAAAAAAAAf39/ACUAAABYAAAAAAAAAAAAAAAAAAAAAAAAAAAAAAAAAAAAAAAAAAAAAAAAAAAAAAAAAAAAAAA/AAAAAAAAAKCGAQAAAAAAAAAAAAAAAAAMAAAAAQAAAAAAAAAAAAAAAAAAAB8AAABUAAAAIis1AP///wEAAAAAAAAAAAAAAAAAAAAAAAAAAAAAAAAAAAAAAAAAAOfm5gN/f38A5+bmA8zMzADAwP8Af39/AAAAAAAAAAAAAAAAAAAAAAAAAAAAIQAAABgAAAAUAAAAsRwAAD0BAABOLgAAOAUAABAAAAAmAAAACAAAAP//////////"/>
+                <pr:smNativeData xmlns="smNativeData" xmlns:pr="smNativeData" xmlns:p15="http://schemas.microsoft.com/office/powerpoint/2012/main" xmlns:p14="http://schemas.microsoft.com/office/powerpoint/2010/main" xmlns:mc="http://schemas.openxmlformats.org/markup-compatibility/2006" val="SMDATA_15_q5OGZBMAAAAlAAAAZAAAAA0AAAAAjgAAAEcAAACOAAAARwAAAAAAAAABAAAAAAAAAAEAAABQAAAAAAAAAAAA4D8AAAAAAADgPwAAAAAAAOA/AAAAAAAA4D8AAAAAAADgPwAAAAAAAOA/AAAAAAAA4D8AAAAAAADgPwAAAAAAAOA/AAAAAAAA4D8CAAAAjAAAAAEAAAAAAAAAIis1AP///wgAAAAAAAAAAAAAAAAAAAAAAAAAAAAAAAAAAAAAZAAAAAEAAABAAAAAAAAAAAAAAAAAAAAAAAAAAAAAAAAAAAAAAAAAAAAAAAAAAAAAAAAAAAAAAAAAAAAAAAAAAAAAAAAAAAAAAAAAAAAAAAAAAAAAAAAAAAAAAAAAAAAAFAAAADwAAAABAAAAAAAAAOfm5gooAAAAAQAAABQAAAAUAAAAFAAAAAEAAAAAAAAAZAAAAGQAAAAAAAAAZAAAAGQAAAAVAAAAYAAAAAAAAAAAAAAADwAAACADAAAAAAAAAAAAAAEAAACgMgAAVgcAAKr4//8BAAAAf39/AAEAAABkAAAAAAAAABQAAABAHwAAAAAAACYAAAAAAAAAwOD//wAAAAAmAAAAZAAAABYAAABMAAAAAAAAAAAAAAAEAAAAAAAAAAEAAADn5uYKAAAAACgAAAAoAAAAZAAAAGQAAAAAAAAAzMzMAAAAAABQAAAAUAAAAGQAAABkAAAAAAAAABcAAAAUAAAAAAAAAAAAAAD/fwAA/38AAAAAAAAJAAAABAAAAJXSfIMeAAAAaAAAAAAAAAAAAAAAAAAAAAAAAAAAAAAAECcAABAnAAAAAAAAAAAAAAAAAAAAAAAAAAAAAAAAAAAAAAAAAAAAABQAAAAAAAAAwMD/AAAAAABkAAAAMgAAAAAAAABkAAAAAAAAAH9/fwAKAAAAIgAAABgAAAAAAAAAAAAAAAAAAAAAAAAAAAAAAAAAAAAkAAAAJAAAAAAAAAAHAAAAAAAAAAAAAAAAAAAAAAAAAAAAAAAAAAAAf39/ACUAAABYAAAAAAAAAAAAAAAAAAAAAAAAAAAAAAAAAAAAAAAAAAAAAAAAAAAAAAAAAAAAAAA/AAAAAAAAAKCGAQAAAAAAAAAAAAAAAAAMAAAAAQAAAAAAAAAAAAAAAAAAAB8AAABUAAAAIis1AP///wEAAAAAAAAAAAAAAAAAAAAAAAAAAAAAAAAAAAAAAAAAAOfm5gN/f38A5+bmA8zMzADAwP8Af39/AAAAAAAAAAAAAAAAAAAAAAAAAAAAIQAAABgAAAAUAAAAsRwAAD0BAABOLgAAOAUAABAAAAAmAAAACAAAAP//////////"/>
               </a:ext>
             </a:extLst>
           </p:cNvSpPr>
@@ -10263,8 +10232,8 @@
               </a:lnSpc>
               <a:defRPr lang="pt-br" cap="none">
                 <a:latin typeface="Arial" pitchFamily="2" charset="0"/>
-                <a:ea typeface="DejaVu Sans" pitchFamily="0" charset="0"/>
-                <a:cs typeface="DejaVu Sans" pitchFamily="0" charset="0"/>
+                <a:ea typeface="DejaVu Sans" charset="0"/>
+                <a:cs typeface="DejaVu Sans" charset="0"/>
               </a:defRPr>
             </a:pPr>
             <a:r>
@@ -10272,9 +10241,9 @@
                 <a:solidFill>
                   <a:srgbClr val="FFFFFF"/>
                 </a:solidFill>
-                <a:latin typeface="Google Sans" pitchFamily="0" charset="0"/>
-                <a:ea typeface="DejaVu Sans" pitchFamily="0" charset="0"/>
-                <a:cs typeface="DejaVu Sans" pitchFamily="0" charset="0"/>
+                <a:latin typeface="Google Sans" charset="0"/>
+                <a:ea typeface="DejaVu Sans" charset="0"/>
+                <a:cs typeface="DejaVu Sans" charset="0"/>
               </a:rPr>
               <a:t>Herança</a:t>
             </a:r>
@@ -10283,9 +10252,9 @@
                 <a:solidFill>
                   <a:srgbClr val="202124"/>
                 </a:solidFill>
-                <a:latin typeface="Google Sans" pitchFamily="0" charset="0"/>
-                <a:ea typeface="DejaVu Sans" pitchFamily="0" charset="0"/>
-                <a:cs typeface="DejaVu Sans" pitchFamily="0" charset="0"/>
+                <a:latin typeface="Google Sans" charset="0"/>
+                <a:ea typeface="DejaVu Sans" charset="0"/>
+                <a:cs typeface="DejaVu Sans" charset="0"/>
               </a:rPr>
               <a:t>.</a:t>
             </a:r>
@@ -10299,7 +10268,7 @@
           <p:cNvSpPr>
             <a:extLst>
               <a:ext uri="smNativeData">
-                <pr:smNativeData xmlns:pr="smNativeData" xmlns="smNativeData" val="SMDATA_15_q5OGZBMAAAAlAAAAZAAAAE0AAAAAjgAAAEcAAACOAAAARwAAAAAAAAAAAAAAAAAAAAEAAABQAAAAAAAAAAAA4D8AAAAAAADgPwAAAAAAAOA/AAAAAAAA4D8AAAAAAADgPwAAAAAAAOA/AAAAAAAA4D8AAAAAAADgPwAAAAAAAOA/AAAAAAAA4D8CAAAAjAAAAAAAAAAAAAAARHLEDP///wgAAAAAAAAAAAAAAAAAAAAAAAAAAAAAAAAAAAAAZAAAAAEAAABAAAAAAAAAAAAAAAAAAAAAAAAAAAAAAAAAAAAAAAAAAAAAAAAAAAAAAAAAAAAAAAAAAAAAAAAAAAAAAAAAAAAAAAAAAAAAAAAAAAAAAAAAAAAAAAAAAAAAFAAAADwAAAAAAAAAAAAAAAAAAAkUAAAAAQAAABQAAAAUAAAAFAAAAAEAAAAAAAAAZAAAAGQAAAAAAAAAZAAAAGQAAAAVAAAAYAAAAAAAAAAAAAAADwAAACADAAAAAAAAAAAAAAEAAACgMgAAVgcAAKr4//8BAAAAf39/AAEAAABkAAAAAAAAABQAAABAHwAAAAAAACYAAAAAAAAAwOD//wAAAAAmAAAAZAAAABYAAABMAAAAAAAAAAAAAAAEAAAAAAAAAAEAAADn5uYKAAAAACgAAAAoAAAAZAAAAGQAAAAAAAAAzMzMAAAAAABQAAAAUAAAAGQAAABkAAAAAAAAABcAAAAUAAAAAAAAAAAAAAD/fwAA/38AAAAAAAAJAAAABAAAAF8AYAAeAAAAaAAAAAAAAAAAAAAAAAAAAAAAAAAAAAAAECcAABAnAAAAAAAAAAAAAAAAAAAAAAAAAAAAAAAAAAAAAAAAAAAAABQAAAAAAAAAwMD/AAAAAABkAAAAMgAAAAAAAABkAAAAAAAAAH9/fwAKAAAAIgAAABgAAAAAAAAAAAAAAAAAAAAAAAAAAAAAAAAAAAAkAAAAJAAAAAAAAAAHAAAAAAAAAAAAAAAAAAAAAAAAAAAAAAAAAAAAf39/ACUAAABYAAAAAAAAAAAAAAAAAAAAAAAAAAAAAAAAAAAAAAAAAAAAAAAAAAAAAAAAAAAAAAA/AAAAAAAAAKCGAQAAAAAAAAAAAAAAAAAMAAAAAQAAAAAAAAAAAAAAAAAAAB8AAABUAAAARHLEBf///wEAAAAAAAAAAAAAAAAAAAAAAAAAAAAAAAAAAAAAAAAAAAAAAAJ/f38A5+bmA8zMzADAwP8Af39/AAAAAAAAAAAAAAAAAAAAAAAAAAAAIQAAABgAAAAUAAAArgUAAA8HAAA/IgAAjCgAABAgAAAmAAAACAAAAP//////////"/>
+                <pr:smNativeData xmlns="smNativeData" xmlns:pr="smNativeData" xmlns:p15="http://schemas.microsoft.com/office/powerpoint/2012/main" xmlns:p14="http://schemas.microsoft.com/office/powerpoint/2010/main" xmlns:mc="http://schemas.openxmlformats.org/markup-compatibility/2006" val="SMDATA_15_q5OGZBMAAAAlAAAAZAAAAE0AAAAAjgAAAEcAAACOAAAARwAAAAAAAAAAAAAAAAAAAAEAAABQAAAAAAAAAAAA4D8AAAAAAADgPwAAAAAAAOA/AAAAAAAA4D8AAAAAAADgPwAAAAAAAOA/AAAAAAAA4D8AAAAAAADgPwAAAAAAAOA/AAAAAAAA4D8CAAAAjAAAAAAAAAAAAAAARHLEDP///wgAAAAAAAAAAAAAAAAAAAAAAAAAAAAAAAAAAAAAZAAAAAEAAABAAAAAAAAAAAAAAAAAAAAAAAAAAAAAAAAAAAAAAAAAAAAAAAAAAAAAAAAAAAAAAAAAAAAAAAAAAAAAAAAAAAAAAAAAAAAAAAAAAAAAAAAAAAAAAAAAAAAAFAAAADwAAAAAAAAAAAAAAAAAAAkUAAAAAQAAABQAAAAUAAAAFAAAAAEAAAAAAAAAZAAAAGQAAAAAAAAAZAAAAGQAAAAVAAAAYAAAAAAAAAAAAAAADwAAACADAAAAAAAAAAAAAAEAAACgMgAAVgcAAKr4//8BAAAAf39/AAEAAABkAAAAAAAAABQAAABAHwAAAAAAACYAAAAAAAAAwOD//wAAAAAmAAAAZAAAABYAAABMAAAAAAAAAAAAAAAEAAAAAAAAAAEAAADn5uYKAAAAACgAAAAoAAAAZAAAAGQAAAAAAAAAzMzMAAAAAABQAAAAUAAAAGQAAABkAAAAAAAAABcAAAAUAAAAAAAAAAAAAAD/fwAA/38AAAAAAAAJAAAABAAAAF8AYAAeAAAAaAAAAAAAAAAAAAAAAAAAAAAAAAAAAAAAECcAABAnAAAAAAAAAAAAAAAAAAAAAAAAAAAAAAAAAAAAAAAAAAAAABQAAAAAAAAAwMD/AAAAAABkAAAAMgAAAAAAAABkAAAAAAAAAH9/fwAKAAAAIgAAABgAAAAAAAAAAAAAAAAAAAAAAAAAAAAAAAAAAAAkAAAAJAAAAAAAAAAHAAAAAAAAAAAAAAAAAAAAAAAAAAAAAAAAAAAAf39/ACUAAABYAAAAAAAAAAAAAAAAAAAAAAAAAAAAAAAAAAAAAAAAAAAAAAAAAAAAAAAAAAAAAAA/AAAAAAAAAKCGAQAAAAAAAAAAAAAAAAAMAAAAAQAAAAAAAAAAAAAAAAAAAB8AAABUAAAARHLEBf///wEAAAAAAAAAAAAAAAAAAAAAAAAAAAAAAAAAAAAAAAAAAAAAAAJ/f38A5+bmA8zMzADAwP8Af39/AAAAAAAAAAAAAAAAAAAAAAAAAAAAIQAAABgAAAAUAAAArgUAAA8HAAA/IgAAjCgAABAgAAAmAAAACAAAAP//////////"/>
               </a:ext>
             </a:extLst>
           </p:cNvSpPr>
@@ -10329,8 +10298,8 @@
               </a:lnSpc>
               <a:defRPr lang="pt-br" cap="none">
                 <a:latin typeface="Arial" pitchFamily="2" charset="0"/>
-                <a:ea typeface="DejaVu Sans" pitchFamily="0" charset="0"/>
-                <a:cs typeface="DejaVu Sans" pitchFamily="0" charset="0"/>
+                <a:ea typeface="DejaVu Sans" charset="0"/>
+                <a:cs typeface="DejaVu Sans" charset="0"/>
               </a:defRPr>
             </a:pPr>
             <a:r>
@@ -10338,9 +10307,9 @@
                 <a:solidFill>
                   <a:srgbClr val="FFFFFF"/>
                 </a:solidFill>
-                <a:latin typeface="Source Serif Pro" pitchFamily="0" charset="0"/>
-                <a:ea typeface="DejaVu Sans" pitchFamily="0" charset="0"/>
-                <a:cs typeface="DejaVu Sans" pitchFamily="0" charset="0"/>
+                <a:latin typeface="Source Serif Pro" charset="0"/>
+                <a:ea typeface="DejaVu Sans" charset="0"/>
+                <a:cs typeface="DejaVu Sans" charset="0"/>
               </a:rPr>
               <a:t>A herança é um mecanismo da Orientação a Objeto que permite criar novas classes a partir de classes já existentes, aproveitando-se das características existentes na classe a ser estendida. Este mecanismo é muito interessante, pois promove um grande reuso e reaproveitamento de código existente.  Com a herança é possível criar classes derivadas, subclasses, a partir de classes bases, superclasses. As subclasses são mais especializadas do que as suas superclasses, mais genéricas. As subclasses herdam todas as características de suas superclasses, como suas variáveis e métodos. A linguagem Java permite o uso de herança simples, mas não permite a implementação de herança múltipla. Para superar essa limitação o Java faz uso de interfaces, o qual pode ser visto como uma que certos métodos com características previamente estabelecidas serão implementados, usando inclusive a palavra reservada implements para garantir esta implementação. </a:t>
             </a:r>
@@ -10354,7 +10323,7 @@
           <p:cNvSpPr>
             <a:extLst>
               <a:ext uri="smNativeData">
-                <pr:smNativeData xmlns:pr="smNativeData" xmlns="smNativeData" val="SMDATA_15_q5OGZBMAAAAlAAAAZQAAAA0AAAAAjgAAAEcAAACOAAAARwAAAAAAAAABAAAAAAAAAAEAAABQAAAAhbacS3FV1T8AAAAAAADwvwAAAAAAAOA/AAAAAAAA4D8AAAAAAADgPwAAAAAAAOA/AAAAAAAA4D8AAAAAAADgPwAAAAAAAOA/AAAAAAAA4D8CAAAAjAAAAAEAAAAAAAAARFRqC////wgAAAAAAAAAAAAAAAAAAAAAAAAAAAAAAAAAAAAAZAAAAAEAAABAAAAAAAAAAAAAAAAAAAAAAAAAAAAAAAAAAAAAAAAAAAAAAAAAAAAAAAAAAAAAAAAAAAAAAAAAAAAAAAAAAAAAAAAAAAAAAAAAAAAAAAAAAAAAAAAAAAAAFAAAADwAAAABAAAAAAAAAP///wgoAAAAAQAAABQAAAAUAAAAFAAAAAEAAAAAAAAAZAAAAGQAAAAAAAAAZAAAAGQAAAAVAAAAYAAAAAAAAAAAAAAADwAAACADAAAAAAAAAAAAAAEAAACgMgAAVgcAAKr4//8BAAAAf39/AAEAAABkAAAAAAAAABQAAABAHwAAAAAAACYAAAAAAAAAwOD//wAAAAAmAAAAZAAAABYAAABMAAAAAAAAAAAAAAAEAAAAAAAAAAEAAADn5uYKAAAAACgAAAAoAAAAZAAAAGQAAAAAAAAAzMzMAAAAAABQAAAAUAAAAGQAAABkAAAAAAAAABcAAAAUAAAAAAAAAAAAAAD/fwAA/38AAAAAAAAJAAAABAAAAIvJmlweAAAAaAAAAAAAAAAAAAAAAAAAAAAAAAAAAAAAECcAABAnAAAAAAAAAAAAAAAAAAAAAAAAAAAAAAAAAAAAAAAAAAAAABQAAAAAAAAAwMD/AAAAAABkAAAAMgAAAAAAAABkAAAAAAAAAH9/fwAKAAAAIgAAABgAAAAAAAAAAAAAAAAAAAAAAAAAAAAAAAAAAAAkAAAAJAAAAAAAAAAHAAAAAAAAAAAAAAAAAAAAAAAAAAAAAAAAAAAAf39/ACUAAABYAAAAAAAAAAAAAAAAAAAAAAAAAAAAAAAAAAAAAAAAAAAAAAAAAAAAAAAAAAAAAAA/AAAAAAAAAKCGAQAAAAAAAAAAAAAAAAAMAAAAAQAAAAAAAAAAAAAAAAAAAB8AAABUAAAARFRqBP///wEAAAAAAAAAAAAAAAAAAAAAAAAAAAAAAAAAAAAAAAAAAP///wF/f38A5+bmA8zMzADAwP8Af39/AAAAAAAAAAAAAAAAAAAAAAAAAAAAIQAAABgAAAAUAAAACzIAAMUNAACmOwAA7w8AABAAAAAmAAAACAAAAP//////////"/>
+                <pr:smNativeData xmlns="smNativeData" xmlns:pr="smNativeData" xmlns:p15="http://schemas.microsoft.com/office/powerpoint/2012/main" xmlns:p14="http://schemas.microsoft.com/office/powerpoint/2010/main" xmlns:mc="http://schemas.openxmlformats.org/markup-compatibility/2006" val="SMDATA_15_q5OGZBMAAAAlAAAAZQAAAA0AAAAAjgAAAEcAAACOAAAARwAAAAAAAAABAAAAAAAAAAEAAABQAAAAhbacS3FV1T8AAAAAAADwvwAAAAAAAOA/AAAAAAAA4D8AAAAAAADgPwAAAAAAAOA/AAAAAAAA4D8AAAAAAADgPwAAAAAAAOA/AAAAAAAA4D8CAAAAjAAAAAEAAAAAAAAARFRqC////wgAAAAAAAAAAAAAAAAAAAAAAAAAAAAAAAAAAAAAZAAAAAEAAABAAAAAAAAAAAAAAAAAAAAAAAAAAAAAAAAAAAAAAAAAAAAAAAAAAAAAAAAAAAAAAAAAAAAAAAAAAAAAAAAAAAAAAAAAAAAAAAAAAAAAAAAAAAAAAAAAAAAAFAAAADwAAAABAAAAAAAAAP///wgoAAAAAQAAABQAAAAUAAAAFAAAAAEAAAAAAAAAZAAAAGQAAAAAAAAAZAAAAGQAAAAVAAAAYAAAAAAAAAAAAAAADwAAACADAAAAAAAAAAAAAAEAAACgMgAAVgcAAKr4//8BAAAAf39/AAEAAABkAAAAAAAAABQAAABAHwAAAAAAACYAAAAAAAAAwOD//wAAAAAmAAAAZAAAABYAAABMAAAAAAAAAAAAAAAEAAAAAAAAAAEAAADn5uYKAAAAACgAAAAoAAAAZAAAAGQAAAAAAAAAzMzMAAAAAABQAAAAUAAAAGQAAABkAAAAAAAAABcAAAAUAAAAAAAAAAAAAAD/fwAA/38AAAAAAAAJAAAABAAAAIvJmlweAAAAaAAAAAAAAAAAAAAAAAAAAAAAAAAAAAAAECcAABAnAAAAAAAAAAAAAAAAAAAAAAAAAAAAAAAAAAAAAAAAAAAAABQAAAAAAAAAwMD/AAAAAABkAAAAMgAAAAAAAABkAAAAAAAAAH9/fwAKAAAAIgAAABgAAAAAAAAAAAAAAAAAAAAAAAAAAAAAAAAAAAAkAAAAJAAAAAAAAAAHAAAAAAAAAAAAAAAAAAAAAAAAAAAAAAAAAAAAf39/ACUAAABYAAAAAAAAAAAAAAAAAAAAAAAAAAAAAAAAAAAAAAAAAAAAAAAAAAAAAAAAAAAAAAA/AAAAAAAAAKCGAQAAAAAAAAAAAAAAAAAMAAAAAQAAAAAAAAAAAAAAAAAAAB8AAABUAAAARFRqBP///wEAAAAAAAAAAAAAAAAAAAAAAAAAAAAAAAAAAAAAAAAAAP///wF/f38A5+bmA8zMzADAwP8Af39/AAAAAAAAAAAAAAAAAAAAAAAAAAAAIQAAABgAAAAUAAAACzIAAMUNAACmOwAA7w8AABAAAAAmAAAACAAAAP//////////"/>
               </a:ext>
             </a:extLst>
           </p:cNvSpPr>
@@ -10393,8 +10362,8 @@
               </a:lnSpc>
               <a:defRPr lang="pt-br" cap="none">
                 <a:latin typeface="Arial" pitchFamily="2" charset="0"/>
-                <a:ea typeface="DejaVu Sans" pitchFamily="0" charset="0"/>
-                <a:cs typeface="DejaVu Sans" pitchFamily="0" charset="0"/>
+                <a:ea typeface="DejaVu Sans" charset="0"/>
+                <a:cs typeface="DejaVu Sans" charset="0"/>
               </a:defRPr>
             </a:pPr>
             <a:r>
@@ -10403,8 +10372,8 @@
                   <a:srgbClr val="FFFFFF"/>
                 </a:solidFill>
                 <a:latin typeface="Calibri" pitchFamily="2" charset="0"/>
-                <a:ea typeface="DejaVu Sans" pitchFamily="0" charset="0"/>
-                <a:cs typeface="DejaVu Sans" pitchFamily="0" charset="0"/>
+                <a:ea typeface="DejaVu Sans" charset="0"/>
+                <a:cs typeface="DejaVu Sans" charset="0"/>
               </a:rPr>
               <a:t>animal</a:t>
             </a:r>
@@ -10417,7 +10386,7 @@
           <p:cNvSpPr>
             <a:extLst>
               <a:ext uri="smNativeData">
-                <pr:smNativeData xmlns:pr="smNativeData" xmlns="smNativeData" val="SMDATA_15_q5OGZBMAAAAlAAAAZQAAAA0AAAAAjgAAAEcAAACOAAAARwAAAAAAAAABAAAAAAAAAAEAAABQAAAAhbacS3FV1T8AAAAAAADwvwAAAAAAAOA/AAAAAAAA4D8AAAAAAADgPwAAAAAAAOA/AAAAAAAA4D8AAAAAAADgPwAAAAAAAOA/AAAAAAAA4D8CAAAAjAAAAAEAAAAAAAAARFRqC////wgAAAAAAAAAAAAAAAAAAAAAAAAAAAAAAAAAAAAAZAAAAAEAAABAAAAAAAAAAAAAAAAAAAAAAAAAAAAAAAAAAAAAAAAAAAAAAAAAAAAAAAAAAAAAAAAAAAAAAAAAAAAAAAAAAAAAAAAAAAAAAAAAAAAAAAAAAAAAAAAAAAAAFAAAADwAAAABAAAAAAAAAP///wgoAAAAAQAAABQAAAAUAAAAFAAAAAEAAAAAAAAAZAAAAGQAAAAAAAAAZAAAAGQAAAAVAAAAYAAAAAAAAAAAAAAADwAAACADAAAAAAAAAAAAAAEAAACgMgAAVgcAAKr4//8BAAAAf39/AAEAAABkAAAAAAAAABQAAABAHwAAAAAAACYAAAAAAAAAwOD//wAAAAAmAAAAZAAAABYAAABMAAAAAAAAAAAAAAAEAAAAAAAAAAEAAADn5uYKAAAAACgAAAAoAAAAZAAAAGQAAAAAAAAAzMzMAAAAAABQAAAAUAAAAGQAAABkAAAAAAAAABcAAAAUAAAAAAAAAAAAAAD/fwAA/38AAAAAAAAJAAAABAAAAMZ5xlseAAAAaAAAAAAAAAAAAAAAAAAAAAAAAAAAAAAAECcAABAnAAAAAAAAAAAAAAAAAAAAAAAAAAAAAAAAAAAAAAAAAAAAABQAAAAAAAAAwMD/AAAAAABkAAAAMgAAAAAAAABkAAAAAAAAAH9/fwAKAAAAIgAAABgAAAAAAAAAAAAAAAAAAAAAAAAAAAAAAAAAAAAkAAAAJAAAAAAAAAAHAAAAAAAAAAAAAAAAAAAAAAAAAAAAAAAAAAAAf39/ACUAAABYAAAAAAAAAAAAAAAAAAAAAAAAAAAAAAAAAAAAAAAAAAAAAAAAAAAAAAAAAAAAAAA/AAAAAAAAAKCGAQAAAAAAAAAAAAAAAAAMAAAAAQAAAAAAAAAAAAAAAAAAAB8AAABUAAAARFRqBP///wEAAAAAAAAAAAAAAAAAAAAAAAAAAAAAAAAAAAAAAAAAAP///wF/f38A5+bmA8zMzADAwP8Af39/AAAAAAAAAAAAAAAAAAAAAAAAAAAAIQAAABgAAAAUAAAAQD0AAEgSAADaRgAAchQAABAAAAAmAAAACAAAAP//////////"/>
+                <pr:smNativeData xmlns="smNativeData" xmlns:pr="smNativeData" xmlns:p15="http://schemas.microsoft.com/office/powerpoint/2012/main" xmlns:p14="http://schemas.microsoft.com/office/powerpoint/2010/main" xmlns:mc="http://schemas.openxmlformats.org/markup-compatibility/2006" val="SMDATA_15_q5OGZBMAAAAlAAAAZQAAAA0AAAAAjgAAAEcAAACOAAAARwAAAAAAAAABAAAAAAAAAAEAAABQAAAAhbacS3FV1T8AAAAAAADwvwAAAAAAAOA/AAAAAAAA4D8AAAAAAADgPwAAAAAAAOA/AAAAAAAA4D8AAAAAAADgPwAAAAAAAOA/AAAAAAAA4D8CAAAAjAAAAAEAAAAAAAAARFRqC////wgAAAAAAAAAAAAAAAAAAAAAAAAAAAAAAAAAAAAAZAAAAAEAAABAAAAAAAAAAAAAAAAAAAAAAAAAAAAAAAAAAAAAAAAAAAAAAAAAAAAAAAAAAAAAAAAAAAAAAAAAAAAAAAAAAAAAAAAAAAAAAAAAAAAAAAAAAAAAAAAAAAAAFAAAADwAAAABAAAAAAAAAP///wgoAAAAAQAAABQAAAAUAAAAFAAAAAEAAAAAAAAAZAAAAGQAAAAAAAAAZAAAAGQAAAAVAAAAYAAAAAAAAAAAAAAADwAAACADAAAAAAAAAAAAAAEAAACgMgAAVgcAAKr4//8BAAAAf39/AAEAAABkAAAAAAAAABQAAABAHwAAAAAAACYAAAAAAAAAwOD//wAAAAAmAAAAZAAAABYAAABMAAAAAAAAAAAAAAAEAAAAAAAAAAEAAADn5uYKAAAAACgAAAAoAAAAZAAAAGQAAAAAAAAAzMzMAAAAAABQAAAAUAAAAGQAAABkAAAAAAAAABcAAAAUAAAAAAAAAAAAAAD/fwAA/38AAAAAAAAJAAAABAAAAMZ5xlseAAAAaAAAAAAAAAAAAAAAAAAAAAAAAAAAAAAAECcAABAnAAAAAAAAAAAAAAAAAAAAAAAAAAAAAAAAAAAAAAAAAAAAABQAAAAAAAAAwMD/AAAAAABkAAAAMgAAAAAAAABkAAAAAAAAAH9/fwAKAAAAIgAAABgAAAAAAAAAAAAAAAAAAAAAAAAAAAAAAAAAAAAkAAAAJAAAAAAAAAAHAAAAAAAAAAAAAAAAAAAAAAAAAAAAAAAAAAAAf39/ACUAAABYAAAAAAAAAAAAAAAAAAAAAAAAAAAAAAAAAAAAAAAAAAAAAAAAAAAAAAAAAAAAAAA/AAAAAAAAAKCGAQAAAAAAAAAAAAAAAAAMAAAAAQAAAAAAAAAAAAAAAAAAAB8AAABUAAAARFRqBP///wEAAAAAAAAAAAAAAAAAAAAAAAAAAAAAAAAAAAAAAAAAAP///wF/f38A5+bmA8zMzADAwP8Af39/AAAAAAAAAAAAAAAAAAAAAAAAAAAAIQAAABgAAAAUAAAAQD0AAEgSAADaRgAAchQAABAAAAAmAAAACAAAAP//////////"/>
               </a:ext>
             </a:extLst>
           </p:cNvSpPr>
@@ -10456,8 +10425,8 @@
               </a:lnSpc>
               <a:defRPr lang="pt-br" cap="none">
                 <a:latin typeface="Arial" pitchFamily="2" charset="0"/>
-                <a:ea typeface="DejaVu Sans" pitchFamily="0" charset="0"/>
-                <a:cs typeface="DejaVu Sans" pitchFamily="0" charset="0"/>
+                <a:ea typeface="DejaVu Sans" charset="0"/>
+                <a:cs typeface="DejaVu Sans" charset="0"/>
               </a:defRPr>
             </a:pPr>
             <a:r>
@@ -10466,8 +10435,8 @@
                   <a:srgbClr val="FFFFFF"/>
                 </a:solidFill>
                 <a:latin typeface="Calibri" pitchFamily="2" charset="0"/>
-                <a:ea typeface="DejaVu Sans" pitchFamily="0" charset="0"/>
-                <a:cs typeface="DejaVu Sans" pitchFamily="0" charset="0"/>
+                <a:ea typeface="DejaVu Sans" charset="0"/>
+                <a:cs typeface="DejaVu Sans" charset="0"/>
               </a:rPr>
               <a:t>onívoro</a:t>
             </a:r>
@@ -10480,7 +10449,7 @@
           <p:cNvSpPr>
             <a:extLst>
               <a:ext uri="smNativeData">
-                <pr:smNativeData xmlns:pr="smNativeData" xmlns="smNativeData" val="SMDATA_15_q5OGZBMAAAAlAAAAZQAAAA0AAAAAjgAAAEcAAACOAAAARwAAAAAAAAABAAAAAAAAAAEAAABQAAAAhbacS3FV1T8AAAAAAADwvwAAAAAAAOA/AAAAAAAA4D8AAAAAAADgPwAAAAAAAOA/AAAAAAAA4D8AAAAAAADgPwAAAAAAAOA/AAAAAAAA4D8CAAAAjAAAAAEAAAAAAAAARFRqC////wgAAAAAAAAAAAAAAAAAAAAAAAAAAAAAAAAAAAAAZAAAAAEAAABAAAAAAAAAAAAAAAAAAAAAAAAAAAAAAAAAAAAAAAAAAAAAAAAAAAAAAAAAAAAAAAAAAAAAAAAAAAAAAAAAAAAAAAAAAAAAAAAAAAAAAAAAAAAAAAAAAAAAFAAAADwAAAABAAAAAAAAAP///wgoAAAAAQAAABQAAAAUAAAAFAAAAAEAAAAAAAAAZAAAAGQAAAAAAAAAZAAAAGQAAAAVAAAAYAAAAAAAAAAAAAAADwAAACADAAAAAAAAAAAAAAEAAACgMgAAVgcAAKr4//8BAAAAf39/AAEAAABkAAAAAAAAABQAAABAHwAAAAAAACYAAAAAAAAAwOD//wAAAAAmAAAAZAAAABYAAABMAAAAAAAAAAAAAAAEAAAAAAAAAAEAAADn5uYKAAAAACgAAAAoAAAAZAAAAGQAAAAAAAAAzMzMAAAAAABQAAAAUAAAAGQAAABkAAAAAAAAABcAAAAUAAAAAAAAAAAAAAD/fwAA/38AAAAAAAAJAAAABAAAAMEyjXYeAAAAaAAAAAAAAAAAAAAAAAAAAAAAAAAAAAAAECcAABAnAAAAAAAAAAAAAAAAAAAAAAAAAAAAAAAAAAAAAAAAAAAAABQAAAAAAAAAwMD/AAAAAABkAAAAMgAAAAAAAABkAAAAAAAAAH9/fwAKAAAAIgAAABgAAAAAAAAAAAAAAAAAAAAAAAAAAAAAAAAAAAAkAAAAJAAAAAAAAAAHAAAAAAAAAAAAAAAAAAAAAAAAAAAAAAAAAAAAf39/ACUAAABYAAAAAAAAAAAAAAAAAAAAAAAAAAAAAAAAAAAAAAAAAAAAAAAAAAAAAAAAAAAAAAA/AAAAAAAAAKCGAQAAAAAAAAAAAAAAAAAMAAAAAQAAAAAAAAAAAAAAAAAAAB8AAABUAAAARFRqBP///wEAAAAAAAAAAAAAAAAAAAAAAAAAAAAAAAAAAAAAAAAAAP///wF/f38A5+bmA8zMzADAwP8Af39/AAAAAAAAAAAAAAAAAAAAAAAAAAAAIQAAABgAAAAUAAAACzIAAEgSAACmOwAAchQAABAAAAAmAAAACAAAAP//////////"/>
+                <pr:smNativeData xmlns="smNativeData" xmlns:pr="smNativeData" xmlns:p15="http://schemas.microsoft.com/office/powerpoint/2012/main" xmlns:p14="http://schemas.microsoft.com/office/powerpoint/2010/main" xmlns:mc="http://schemas.openxmlformats.org/markup-compatibility/2006" val="SMDATA_15_q5OGZBMAAAAlAAAAZQAAAA0AAAAAjgAAAEcAAACOAAAARwAAAAAAAAABAAAAAAAAAAEAAABQAAAAhbacS3FV1T8AAAAAAADwvwAAAAAAAOA/AAAAAAAA4D8AAAAAAADgPwAAAAAAAOA/AAAAAAAA4D8AAAAAAADgPwAAAAAAAOA/AAAAAAAA4D8CAAAAjAAAAAEAAAAAAAAARFRqC////wgAAAAAAAAAAAAAAAAAAAAAAAAAAAAAAAAAAAAAZAAAAAEAAABAAAAAAAAAAAAAAAAAAAAAAAAAAAAAAAAAAAAAAAAAAAAAAAAAAAAAAAAAAAAAAAAAAAAAAAAAAAAAAAAAAAAAAAAAAAAAAAAAAAAAAAAAAAAAAAAAAAAAFAAAADwAAAABAAAAAAAAAP///wgoAAAAAQAAABQAAAAUAAAAFAAAAAEAAAAAAAAAZAAAAGQAAAAAAAAAZAAAAGQAAAAVAAAAYAAAAAAAAAAAAAAADwAAACADAAAAAAAAAAAAAAEAAACgMgAAVgcAAKr4//8BAAAAf39/AAEAAABkAAAAAAAAABQAAABAHwAAAAAAACYAAAAAAAAAwOD//wAAAAAmAAAAZAAAABYAAABMAAAAAAAAAAAAAAAEAAAAAAAAAAEAAADn5uYKAAAAACgAAAAoAAAAZAAAAGQAAAAAAAAAzMzMAAAAAABQAAAAUAAAAGQAAABkAAAAAAAAABcAAAAUAAAAAAAAAAAAAAD/fwAA/38AAAAAAAAJAAAABAAAAMEyjXYeAAAAaAAAAAAAAAAAAAAAAAAAAAAAAAAAAAAAECcAABAnAAAAAAAAAAAAAAAAAAAAAAAAAAAAAAAAAAAAAAAAAAAAABQAAAAAAAAAwMD/AAAAAABkAAAAMgAAAAAAAABkAAAAAAAAAH9/fwAKAAAAIgAAABgAAAAAAAAAAAAAAAAAAAAAAAAAAAAAAAAAAAAkAAAAJAAAAAAAAAAHAAAAAAAAAAAAAAAAAAAAAAAAAAAAAAAAAAAAf39/ACUAAABYAAAAAAAAAAAAAAAAAAAAAAAAAAAAAAAAAAAAAAAAAAAAAAAAAAAAAAAAAAAAAAA/AAAAAAAAAKCGAQAAAAAAAAAAAAAAAAAMAAAAAQAAAAAAAAAAAAAAAAAAAB8AAABUAAAARFRqBP///wEAAAAAAAAAAAAAAAAAAAAAAAAAAAAAAAAAAAAAAAAAAP///wF/f38A5+bmA8zMzADAwP8Af39/AAAAAAAAAAAAAAAAAAAAAAAAAAAAIQAAABgAAAAUAAAACzIAAEgSAACmOwAAchQAABAAAAAmAAAACAAAAP//////////"/>
               </a:ext>
             </a:extLst>
           </p:cNvSpPr>
@@ -10519,8 +10488,8 @@
               </a:lnSpc>
               <a:defRPr lang="pt-br" cap="none">
                 <a:latin typeface="Arial" pitchFamily="2" charset="0"/>
-                <a:ea typeface="DejaVu Sans" pitchFamily="0" charset="0"/>
-                <a:cs typeface="DejaVu Sans" pitchFamily="0" charset="0"/>
+                <a:ea typeface="DejaVu Sans" charset="0"/>
+                <a:cs typeface="DejaVu Sans" charset="0"/>
               </a:defRPr>
             </a:pPr>
             <a:r>
@@ -10529,8 +10498,8 @@
                   <a:srgbClr val="FFFFFF"/>
                 </a:solidFill>
                 <a:latin typeface="Calibri" pitchFamily="2" charset="0"/>
-                <a:ea typeface="DejaVu Sans" pitchFamily="0" charset="0"/>
-                <a:cs typeface="DejaVu Sans" pitchFamily="0" charset="0"/>
+                <a:ea typeface="DejaVu Sans" charset="0"/>
+                <a:cs typeface="DejaVu Sans" charset="0"/>
               </a:rPr>
               <a:t>carnívoro</a:t>
             </a:r>
@@ -10543,7 +10512,7 @@
           <p:cNvSpPr>
             <a:extLst>
               <a:ext uri="smNativeData">
-                <pr:smNativeData xmlns:pr="smNativeData" xmlns="smNativeData" val="SMDATA_15_q5OGZBMAAAAlAAAAZQAAAA0AAAAAjgAAAEcAAACOAAAARwAAAAAAAAABAAAAAAAAAAEAAABQAAAAhbacS3FV1T8AAAAAAADwvwAAAAAAAOA/AAAAAAAA4D8AAAAAAADgPwAAAAAAAOA/AAAAAAAA4D8AAAAAAADgPwAAAAAAAOA/AAAAAAAA4D8CAAAAjAAAAAEAAAAAAAAARFRqC////wgAAAAAAAAAAAAAAAAAAAAAAAAAAAAAAAAAAAAAZAAAAAEAAABAAAAAAAAAAAAAAAAAAAAAAAAAAAAAAAAAAAAAAAAAAAAAAAAAAAAAAAAAAAAAAAAAAAAAAAAAAAAAAAAAAAAAAAAAAAAAAAAAAAAAAAAAAAAAAAAAAAAAFAAAADwAAAABAAAAAAAAAP///wgoAAAAAQAAABQAAAAUAAAAFAAAAAEAAAAAAAAAZAAAAGQAAAAAAAAAZAAAAGQAAAAVAAAAYAAAAAAAAAAAAAAADwAAACADAAAAAAAAAAAAAAEAAACgMgAAVgcAAKr4//8BAAAAf39/AAEAAABkAAAAAAAAABQAAABAHwAAAAAAACYAAAAAAAAAwOD//wAAAAAmAAAAZAAAABYAAABMAAAAAAAAAAAAAAAEAAAAAAAAAAEAAADn5uYKAAAAACgAAAAoAAAAZAAAAGQAAAAAAAAAzMzMAAAAAABQAAAAUAAAAGQAAABkAAAAAAAAABcAAAAUAAAAAAAAAAAAAAD/fwAA/38AAAAAAAAJAAAABAAAAOqm/wAeAAAAaAAAAAAAAAAAAAAAAAAAAAAAAAAAAAAAECcAABAnAAAAAAAAAAAAAAAAAAAAAAAAAAAAAAAAAAAAAAAAAAAAABQAAAAAAAAAwMD/AAAAAABkAAAAMgAAAAAAAABkAAAAAAAAAH9/fwAKAAAAIgAAABgAAAAAAAAAAAAAAAAAAAAAAAAAAAAAAAAAAAAkAAAAJAAAAAAAAAAHAAAAAAAAAAAAAAAAAAAAAAAAAAAAAAAAAAAAf39/ACUAAABYAAAAAAAAAAAAAAAAAAAAAAAAAAAAAAAAAAAAAAAAAAAAAAAAAAAAAAAAAAAAAAA/AAAAAAAAAKCGAQAAAAAAAAAAAAAAAAAMAAAAAQAAAAAAAAAAAAAAAAAAAB8AAABUAAAARFRqBP///wEAAAAAAAAAAAAAAAAAAAAAAAAAAAAAAAAAAAAAAAAAAP///wF/f38A5+bmA8zMzADAwP8Af39/AAAAAAAAAAAAAAAAAAAAAAAAAAAAIQAAABgAAAAUAAAA9SYAAEgSAACQMAAAchQAABAAAAAmAAAACAAAAP//////////"/>
+                <pr:smNativeData xmlns="smNativeData" xmlns:pr="smNativeData" xmlns:p15="http://schemas.microsoft.com/office/powerpoint/2012/main" xmlns:p14="http://schemas.microsoft.com/office/powerpoint/2010/main" xmlns:mc="http://schemas.openxmlformats.org/markup-compatibility/2006" val="SMDATA_15_q5OGZBMAAAAlAAAAZQAAAA0AAAAAjgAAAEcAAACOAAAARwAAAAAAAAABAAAAAAAAAAEAAABQAAAAhbacS3FV1T8AAAAAAADwvwAAAAAAAOA/AAAAAAAA4D8AAAAAAADgPwAAAAAAAOA/AAAAAAAA4D8AAAAAAADgPwAAAAAAAOA/AAAAAAAA4D8CAAAAjAAAAAEAAAAAAAAARFRqC////wgAAAAAAAAAAAAAAAAAAAAAAAAAAAAAAAAAAAAAZAAAAAEAAABAAAAAAAAAAAAAAAAAAAAAAAAAAAAAAAAAAAAAAAAAAAAAAAAAAAAAAAAAAAAAAAAAAAAAAAAAAAAAAAAAAAAAAAAAAAAAAAAAAAAAAAAAAAAAAAAAAAAAFAAAADwAAAABAAAAAAAAAP///wgoAAAAAQAAABQAAAAUAAAAFAAAAAEAAAAAAAAAZAAAAGQAAAAAAAAAZAAAAGQAAAAVAAAAYAAAAAAAAAAAAAAADwAAACADAAAAAAAAAAAAAAEAAACgMgAAVgcAAKr4//8BAAAAf39/AAEAAABkAAAAAAAAABQAAABAHwAAAAAAACYAAAAAAAAAwOD//wAAAAAmAAAAZAAAABYAAABMAAAAAAAAAAAAAAAEAAAAAAAAAAEAAADn5uYKAAAAACgAAAAoAAAAZAAAAGQAAAAAAAAAzMzMAAAAAABQAAAAUAAAAGQAAABkAAAAAAAAABcAAAAUAAAAAAAAAAAAAAD/fwAA/38AAAAAAAAJAAAABAAAAOqm/wAeAAAAaAAAAAAAAAAAAAAAAAAAAAAAAAAAAAAAECcAABAnAAAAAAAAAAAAAAAAAAAAAAAAAAAAAAAAAAAAAAAAAAAAABQAAAAAAAAAwMD/AAAAAABkAAAAMgAAAAAAAABkAAAAAAAAAH9/fwAKAAAAIgAAABgAAAAAAAAAAAAAAAAAAAAAAAAAAAAAAAAAAAAkAAAAJAAAAAAAAAAHAAAAAAAAAAAAAAAAAAAAAAAAAAAAAAAAAAAAf39/ACUAAABYAAAAAAAAAAAAAAAAAAAAAAAAAAAAAAAAAAAAAAAAAAAAAAAAAAAAAAAAAAAAAAA/AAAAAAAAAKCGAQAAAAAAAAAAAAAAAAAMAAAAAQAAAAAAAAAAAAAAAAAAAB8AAABUAAAARFRqBP///wEAAAAAAAAAAAAAAAAAAAAAAAAAAAAAAAAAAAAAAAAAAP///wF/f38A5+bmA8zMzADAwP8Af39/AAAAAAAAAAAAAAAAAAAAAAAAAAAAIQAAABgAAAAUAAAA9SYAAEgSAACQMAAAchQAABAAAAAmAAAACAAAAP//////////"/>
               </a:ext>
             </a:extLst>
           </p:cNvSpPr>
@@ -10582,8 +10551,8 @@
               </a:lnSpc>
               <a:defRPr lang="pt-br" cap="none">
                 <a:latin typeface="Arial" pitchFamily="2" charset="0"/>
-                <a:ea typeface="DejaVu Sans" pitchFamily="0" charset="0"/>
-                <a:cs typeface="DejaVu Sans" pitchFamily="0" charset="0"/>
+                <a:ea typeface="DejaVu Sans" charset="0"/>
+                <a:cs typeface="DejaVu Sans" charset="0"/>
               </a:defRPr>
             </a:pPr>
             <a:r>
@@ -10592,8 +10561,8 @@
                   <a:srgbClr val="FFFFFF"/>
                 </a:solidFill>
                 <a:latin typeface="Calibri" pitchFamily="2" charset="0"/>
-                <a:ea typeface="DejaVu Sans" pitchFamily="0" charset="0"/>
-                <a:cs typeface="DejaVu Sans" pitchFamily="0" charset="0"/>
+                <a:ea typeface="DejaVu Sans" charset="0"/>
+                <a:cs typeface="DejaVu Sans" charset="0"/>
               </a:rPr>
               <a:t>herbívoro</a:t>
             </a:r>
@@ -10606,7 +10575,7 @@
           <p:cNvSpPr>
             <a:extLst>
               <a:ext uri="smNativeData">
-                <pr:smNativeData xmlns:pr="smNativeData" xmlns="smNativeData" val="SMDATA_15_q5OGZBMAAAAlAAAACwAAAA0AAAAAcDAAAO8PAAAqMgAAbhIAAAAAAAAAAAAAAgAAAAEAAABQAAAAAAAAAAAA4D8AAAAAAADgPwAAAAAAAOA/AAAAAAAA4D8AAAAAAADgPwAAAAAAAOA/AAAAAAAA4D8AAAAAAADgPwAAAAAAAOA/AAAAAAAA4D8CAAAAjAAAAAAAAAAAAAAARHLEDP///wgAAAAAAAAAAAAAAAAAAAAAAAAAAAAAAAAAAAAAZAAAAAEAAABAAAAAAAAAAAAAAAAAAAAAAAAAAAAAAAAAAAAAAAAAAAAAAAAAAAAAAAAAAAAAAAAAAAAAAAAAAAAAAAAAAAAAAAAAAAAAAAAAAAAAAAAAAAAAAAAAAAAAFAAAADwAAAABAAAAAAAAAP///wgPAAAAAQAAABQAAAAUAAAAFAAAAAEAAAAAAAAAZAAAAGQAAAACAAAAZAAAAGQAAAAVAAAAYAAAAAAAAAAAAAAADwAAACADAAAAAAAAAAAAAAEAAACgMgAAVgcAAKr4//8BAAAAf39/AAEAAABkAAAAAAAAABQAAABAHwAAAAAAACYAAAAAAAAAwOD//wAAAAAmAAAAZAAAABYAAABMAAAAAAAAAAAAAAAEAAAAAAAAAAEAAADn5uYKAAAAACgAAAAoAAAAZAAAAGQAAAAAAAAAzMzMAAAAAABQAAAAUAAAAGQAAABkAAAAAAAAABcAAAAUAAAAAAAAAAAAAAD/fwAA/38AAAAAAAAJAAAABAAAAAAAAAAeAAAAaAAAAAAAAAAAAAAAAAAAAAAAAAAAAAAAECcAABAnAAAAAAAAAAAAAAAAAAAAAAAAAAAAAAAAAAAAAAAAAAAAABQAAAAAAAAAwMD/AAAAAABkAAAAMgAAAAAAAABkAAAAAAAAAH9/fwAKAAAAIgAAABgAAAAAAAAAAAAAAAAAAAAAAAAAAAAAAAAAAAAkAAAAJAAAAAAAAAAHAAAAAAAAAAAAAAAAAAAAAAAAAAAAAAAAAAAAf39/ACUAAABYAAAAAAAAAAAAAAAAAAAAAAAAAAAAAAAAAAAAAAAAAAAAAAAAAAAAAAAAAAAAAAA/AAAAAAAAAKCGAQAAAAAAAAAAAAAAAAAMAAAAAQAAAAAAAAAAAAAAAAAAAB8AAABUAAAARHLEBf///wEAAAAAAAAAAAAAAAAAAAAAAAAAAAAAAAAAAAAAAAAAAP///wF/f38A5+bmA8zMzADAwP8Af39/AAAAAAAAAAAAAAAAAAAAAAAAAAAAIQAAABgAAAAUAAAAcDAAAO8PAAAqMgAAbhIAABAAAAAmAAAACAAAAP//////////"/>
+                <pr:smNativeData xmlns="smNativeData" xmlns:pr="smNativeData" xmlns:p15="http://schemas.microsoft.com/office/powerpoint/2012/main" xmlns:p14="http://schemas.microsoft.com/office/powerpoint/2010/main" xmlns:mc="http://schemas.openxmlformats.org/markup-compatibility/2006" val="SMDATA_15_q5OGZBMAAAAlAAAACwAAAA0AAAAAcDAAAO8PAAAqMgAAbhIAAAAAAAAAAAAAAgAAAAEAAABQAAAAAAAAAAAA4D8AAAAAAADgPwAAAAAAAOA/AAAAAAAA4D8AAAAAAADgPwAAAAAAAOA/AAAAAAAA4D8AAAAAAADgPwAAAAAAAOA/AAAAAAAA4D8CAAAAjAAAAAAAAAAAAAAARHLEDP///wgAAAAAAAAAAAAAAAAAAAAAAAAAAAAAAAAAAAAAZAAAAAEAAABAAAAAAAAAAAAAAAAAAAAAAAAAAAAAAAAAAAAAAAAAAAAAAAAAAAAAAAAAAAAAAAAAAAAAAAAAAAAAAAAAAAAAAAAAAAAAAAAAAAAAAAAAAAAAAAAAAAAAFAAAADwAAAABAAAAAAAAAP///wgPAAAAAQAAABQAAAAUAAAAFAAAAAEAAAAAAAAAZAAAAGQAAAACAAAAZAAAAGQAAAAVAAAAYAAAAAAAAAAAAAAADwAAACADAAAAAAAAAAAAAAEAAACgMgAAVgcAAKr4//8BAAAAf39/AAEAAABkAAAAAAAAABQAAABAHwAAAAAAACYAAAAAAAAAwOD//wAAAAAmAAAAZAAAABYAAABMAAAAAAAAAAAAAAAEAAAAAAAAAAEAAADn5uYKAAAAACgAAAAoAAAAZAAAAGQAAAAAAAAAzMzMAAAAAABQAAAAUAAAAGQAAABkAAAAAAAAABcAAAAUAAAAAAAAAAAAAAD/fwAA/38AAAAAAAAJAAAABAAAAAAAAAAeAAAAaAAAAAAAAAAAAAAAAAAAAAAAAAAAAAAAECcAABAnAAAAAAAAAAAAAAAAAAAAAAAAAAAAAAAAAAAAAAAAAAAAABQAAAAAAAAAwMD/AAAAAABkAAAAMgAAAAAAAABkAAAAAAAAAH9/fwAKAAAAIgAAABgAAAAAAAAAAAAAAAAAAAAAAAAAAAAAAAAAAAAkAAAAJAAAAAAAAAAHAAAAAAAAAAAAAAAAAAAAAAAAAAAAAAAAAAAAf39/ACUAAABYAAAAAAAAAAAAAAAAAAAAAAAAAAAAAAAAAAAAAAAAAAAAAAAAAAAAAAAAAAAAAAA/AAAAAAAAAKCGAQAAAAAAAAAAAAAAAAAMAAAAAQAAAAAAAAAAAAAAAAAAAB8AAABUAAAARHLEBf///wEAAAAAAAAAAAAAAAAAAAAAAAAAAAAAAAAAAAAAAAAAAP///wF/f38A5+bmA8zMzADAwP8Af39/AAAAAAAAAAAAAAAAAAAAAAAAAAAAIQAAABgAAAAUAAAAcDAAAO8PAAAqMgAAbhIAABAAAAAmAAAACAAAAP//////////"/>
               </a:ext>
             </a:extLst>
           </p:cNvSpPr>
@@ -10652,7 +10621,7 @@
           <p:cNvSpPr>
             <a:extLst>
               <a:ext uri="smNativeData">
-                <pr:smNativeData xmlns:pr="smNativeData" xmlns="smNativeData" val="SMDATA_15_q5OGZBMAAAAlAAAACwAAAA0AAAAA2TYAAO8PAADZNgAARhIAAAAAAAAAAAAAAgAAAAEAAABQAAAAAAAAAAAA4D8AAAAAAADgPwAAAAAAAOA/AAAAAAAA4D8AAAAAAADgPwAAAAAAAOA/AAAAAAAA4D8AAAAAAADgPwAAAAAAAOA/AAAAAAAA4D8CAAAAjAAAAAAAAAAAAAAARHLEDP///wgAAAAAAAAAAAAAAAAAAAAAAAAAAAAAAAAAAAAAZAAAAAEAAABAAAAAAAAAAAAAAAAAAAAAAAAAAAAAAAAAAAAAAAAAAAAAAAAAAAAAAAAAAAAAAAAAAAAAAAAAAAAAAAAAAAAAAAAAAAAAAAAAAAAAAAAAAAAAAAAAAAAAFAAAADwAAAABAAAAAAAAAP///wgPAAAAAQAAABQAAAAUAAAAFAAAAAEAAAAAAAAAZAAAAGQAAAACAAAAZAAAAGQAAAAVAAAAYAAAAAAAAAAAAAAADwAAACADAAAAAAAAAAAAAAEAAACgMgAAVgcAAKr4//8BAAAAf39/AAEAAABkAAAAAAAAABQAAABAHwAAAAAAACYAAAAAAAAAwOD//wAAAAAmAAAAZAAAABYAAABMAAAAAAAAAAAAAAAEAAAAAAAAAAEAAADn5uYKAAAAACgAAAAoAAAAZAAAAGQAAAAAAAAAzMzMAAAAAABQAAAAUAAAAGQAAABkAAAAAAAAABcAAAAUAAAAAAAAAAAAAAD/fwAA/38AAAAAAAAJAAAABAAAAGltbmkeAAAAaAAAAAAAAAAAAAAAAAAAAAAAAAAAAAAAECcAABAnAAAAAAAAAAAAAAAAAAAAAAAAAAAAAAAAAAAAAAAAAAAAABQAAAAAAAAAwMD/AAAAAABkAAAAMgAAAAAAAABkAAAAAAAAAH9/fwAKAAAAIgAAABgAAAAAAAAAAAAAAAAAAAAAAAAAAAAAAAAAAAAkAAAAJAAAAAAAAAAHAAAAAAAAAAAAAAAAAAAAAAAAAAAAAAAAAAAAf39/ACUAAABYAAAAAAAAAAAAAAAAAAAAAAAAAAAAAAAAAAAAAAAAAAAAAAAAAAAAAAAAAAAAAAA/AAAAAAAAAKCGAQAAAAAAAAAAAAAAAAAMAAAAAQAAAAAAAAAAAAAAAAAAAB8AAABUAAAARHLEBf///wEAAAAAAAAAAAAAAAAAAAAAAAAAAAAAAAAAAAAAAAAAAP///wF/f38A5+bmA8zMzADAwP8Af39/AAAAAAAAAAAAAAAAAAAAAAAAAAAAIQAAABgAAAAUAAAA2TYAAO8PAADZNgAARhIAABAAAAAmAAAACAAAAP//////////"/>
+                <pr:smNativeData xmlns="smNativeData" xmlns:pr="smNativeData" xmlns:p15="http://schemas.microsoft.com/office/powerpoint/2012/main" xmlns:p14="http://schemas.microsoft.com/office/powerpoint/2010/main" xmlns:mc="http://schemas.openxmlformats.org/markup-compatibility/2006" val="SMDATA_15_q5OGZBMAAAAlAAAACwAAAA0AAAAA2TYAAO8PAADZNgAARhIAAAAAAAAAAAAAAgAAAAEAAABQAAAAAAAAAAAA4D8AAAAAAADgPwAAAAAAAOA/AAAAAAAA4D8AAAAAAADgPwAAAAAAAOA/AAAAAAAA4D8AAAAAAADgPwAAAAAAAOA/AAAAAAAA4D8CAAAAjAAAAAAAAAAAAAAARHLEDP///wgAAAAAAAAAAAAAAAAAAAAAAAAAAAAAAAAAAAAAZAAAAAEAAABAAAAAAAAAAAAAAAAAAAAAAAAAAAAAAAAAAAAAAAAAAAAAAAAAAAAAAAAAAAAAAAAAAAAAAAAAAAAAAAAAAAAAAAAAAAAAAAAAAAAAAAAAAAAAAAAAAAAAFAAAADwAAAABAAAAAAAAAP///wgPAAAAAQAAABQAAAAUAAAAFAAAAAEAAAAAAAAAZAAAAGQAAAACAAAAZAAAAGQAAAAVAAAAYAAAAAAAAAAAAAAADwAAACADAAAAAAAAAAAAAAEAAACgMgAAVgcAAKr4//8BAAAAf39/AAEAAABkAAAAAAAAABQAAABAHwAAAAAAACYAAAAAAAAAwOD//wAAAAAmAAAAZAAAABYAAABMAAAAAAAAAAAAAAAEAAAAAAAAAAEAAADn5uYKAAAAACgAAAAoAAAAZAAAAGQAAAAAAAAAzMzMAAAAAABQAAAAUAAAAGQAAABkAAAAAAAAABcAAAAUAAAAAAAAAAAAAAD/fwAA/38AAAAAAAAJAAAABAAAAGltbmkeAAAAaAAAAAAAAAAAAAAAAAAAAAAAAAAAAAAAECcAABAnAAAAAAAAAAAAAAAAAAAAAAAAAAAAAAAAAAAAAAAAAAAAABQAAAAAAAAAwMD/AAAAAABkAAAAMgAAAAAAAABkAAAAAAAAAH9/fwAKAAAAIgAAABgAAAAAAAAAAAAAAAAAAAAAAAAAAAAAAAAAAAAkAAAAJAAAAAAAAAAHAAAAAAAAAAAAAAAAAAAAAAAAAAAAAAAAAAAAf39/ACUAAABYAAAAAAAAAAAAAAAAAAAAAAAAAAAAAAAAAAAAAAAAAAAAAAAAAAAAAAAAAAAAAAA/AAAAAAAAAKCGAQAAAAAAAAAAAAAAAAAMAAAAAQAAAAAAAAAAAAAAAAAAAB8AAABUAAAARHLEBf///wEAAAAAAAAAAAAAAAAAAAAAAAAAAAAAAAAAAAAAAAAAAP///wF/f38A5+bmA8zMzADAwP8Af39/AAAAAAAAAAAAAAAAAAAAAAAAAAAAIQAAABgAAAAUAAAA2TYAAO8PAADZNgAARhIAABAAAAAmAAAACAAAAP//////////"/>
               </a:ext>
             </a:extLst>
           </p:cNvSpPr>
@@ -10670,7 +10639,7 @@
             <a:cxnLst/>
             <a:rect l="0" t="0" r="0" b="380365"/>
             <a:pathLst>
-              <a:path w="0" h="380365">
+              <a:path h="380365">
                 <a:moveTo>
                   <a:pt x="0" y="0"/>
                 </a:moveTo>
@@ -10698,7 +10667,7 @@
           <p:cNvSpPr>
             <a:extLst>
               <a:ext uri="smNativeData">
-                <pr:smNativeData xmlns:pr="smNativeData" xmlns="smNativeData" val="SMDATA_15_q5OGZBMAAAAlAAAACwAAAA0AAAAAhjsAAO8PAAB4PQAARhIAAAAAAAAAAAAAAgAAAAEAAABQAAAAAAAAAAAA4D8AAAAAAADgPwAAAAAAAOA/AAAAAAAA4D8AAAAAAADgPwAAAAAAAOA/AAAAAAAA4D8AAAAAAADgPwAAAAAAAOA/AAAAAAAA4D8CAAAAjAAAAAAAAAAAAAAARHLEDP///wgAAAAAAAAAAAAAAAAAAAAAAAAAAAAAAAAAAAAAZAAAAAEAAABAAAAAAAAAAAAAAAAAAAAAAAAAAAAAAAAAAAAAAAAAAAAAAAAAAAAAAAAAAAAAAAAAAAAAAAAAAAAAAAAAAAAAAAAAAAAAAAAAAAAAAAAAAAAAAAAAAAAAFAAAADwAAAABAAAAAAAAAP///wgPAAAAAQAAABQAAAAUAAAAFAAAAAEAAAAAAAAAZAAAAGQAAAACAAAAZAAAAGQAAAAVAAAAYAAAAAAAAAAAAAAADwAAACADAAAAAAAAAAAAAAEAAACgMgAAVgcAAKr4//8BAAAAf39/AAEAAABkAAAAAAAAABQAAABAHwAAAAAAACYAAAAAAAAAwOD//wAAAAAmAAAAZAAAABYAAABMAAAAAAAAAAAAAAAEAAAAAAAAAAEAAADn5uYKAAAAACgAAAAoAAAAZAAAAGQAAAAAAAAAzMzMAAAAAABQAAAAUAAAAGQAAABkAAAAAAAAABcAAAAUAAAAAAAAAAAAAAD/fwAA/38AAAAAAAAJAAAABAAAAIBkAckeAAAAaAAAAAAAAAAAAAAAAAAAAAAAAAAAAAAAECcAABAnAAAAAAAAAAAAAAAAAAAAAAAAAAAAAAAAAAAAAAAAAAAAABQAAAAAAAAAwMD/AAAAAABkAAAAMgAAAAAAAABkAAAAAAAAAH9/fwAKAAAAIgAAABgAAAAAAAAAAAAAAAAAAAAAAAAAAAAAAAAAAAAkAAAAJAAAAAAAAAAHAAAAAAAAAAAAAAAAAAAAAAAAAAAAAAAAAAAAf39/ACUAAABYAAAAAAAAAAAAAAAAAAAAAAAAAAAAAAAAAAAAAAAAAAAAAAAAAAAAAAAAAAAAAAA/AAAAAAAAAKCGAQAAAAAAAAAAAAAAAAAMAAAAAQAAAAAAAAAAAAAAAAAAAB8AAABUAAAARHLEBf///wEAAAAAAAAAAAAAAAAAAAAAAAAAAAAAAAAAAAAAAAAAAP///wF/f38A5+bmA8zMzADAwP8Af39/AAAAAAAAAAAAAAAAAAAAAAAAAAAAIQAAABgAAAAUAAAAhjsAAO8PAAB4PQAARhIAABAAAAAmAAAACAAAAP//////////"/>
+                <pr:smNativeData xmlns="smNativeData" xmlns:pr="smNativeData" xmlns:p15="http://schemas.microsoft.com/office/powerpoint/2012/main" xmlns:p14="http://schemas.microsoft.com/office/powerpoint/2010/main" xmlns:mc="http://schemas.openxmlformats.org/markup-compatibility/2006" val="SMDATA_15_q5OGZBMAAAAlAAAACwAAAA0AAAAAhjsAAO8PAAB4PQAARhIAAAAAAAAAAAAAAgAAAAEAAABQAAAAAAAAAAAA4D8AAAAAAADgPwAAAAAAAOA/AAAAAAAA4D8AAAAAAADgPwAAAAAAAOA/AAAAAAAA4D8AAAAAAADgPwAAAAAAAOA/AAAAAAAA4D8CAAAAjAAAAAAAAAAAAAAARHLEDP///wgAAAAAAAAAAAAAAAAAAAAAAAAAAAAAAAAAAAAAZAAAAAEAAABAAAAAAAAAAAAAAAAAAAAAAAAAAAAAAAAAAAAAAAAAAAAAAAAAAAAAAAAAAAAAAAAAAAAAAAAAAAAAAAAAAAAAAAAAAAAAAAAAAAAAAAAAAAAAAAAAAAAAFAAAADwAAAABAAAAAAAAAP///wgPAAAAAQAAABQAAAAUAAAAFAAAAAEAAAAAAAAAZAAAAGQAAAACAAAAZAAAAGQAAAAVAAAAYAAAAAAAAAAAAAAADwAAACADAAAAAAAAAAAAAAEAAACgMgAAVgcAAKr4//8BAAAAf39/AAEAAABkAAAAAAAAABQAAABAHwAAAAAAACYAAAAAAAAAwOD//wAAAAAmAAAAZAAAABYAAABMAAAAAAAAAAAAAAAEAAAAAAAAAAEAAADn5uYKAAAAACgAAAAoAAAAZAAAAGQAAAAAAAAAzMzMAAAAAABQAAAAUAAAAGQAAABkAAAAAAAAABcAAAAUAAAAAAAAAAAAAAD/fwAA/38AAAAAAAAJAAAABAAAAIBkAckeAAAAaAAAAAAAAAAAAAAAAAAAAAAAAAAAAAAAECcAABAnAAAAAAAAAAAAAAAAAAAAAAAAAAAAAAAAAAAAAAAAAAAAABQAAAAAAAAAwMD/AAAAAABkAAAAMgAAAAAAAABkAAAAAAAAAH9/fwAKAAAAIgAAABgAAAAAAAAAAAAAAAAAAAAAAAAAAAAAAAAAAAAkAAAAJAAAAAAAAAAHAAAAAAAAAAAAAAAAAAAAAAAAAAAAAAAAAAAAf39/ACUAAABYAAAAAAAAAAAAAAAAAAAAAAAAAAAAAAAAAAAAAAAAAAAAAAAAAAAAAAAAAAAAAAA/AAAAAAAAAKCGAQAAAAAAAAAAAAAAAAAMAAAAAQAAAAAAAAAAAAAAAAAAAB8AAABUAAAARHLEBf///wEAAAAAAAAAAAAAAAAAAAAAAAAAAAAAAAAAAAAAAAAAAP///wF/f38A5+bmA8zMzADAwP8Af39/AAAAAAAAAAAAAAAAAAAAAAAAAAAAIQAAABgAAAAUAAAAhjsAAO8PAAB4PQAARhIAABAAAAAmAAAACAAAAP//////////"/>
               </a:ext>
             </a:extLst>
           </p:cNvSpPr>
@@ -10744,7 +10713,7 @@
           <p:cNvSpPr>
             <a:extLst>
               <a:ext uri="smNativeData">
-                <pr:smNativeData xmlns:pr="smNativeData" xmlns="smNativeData" val="SMDATA_15_q5OGZBMAAAAlAAAAZQAAAA0AAAAAjgAAAEcAAACOAAAARwAAAAAAAAABAAAAAAAAAAEAAABQAAAAhbacS3FV1T8AAAAAAADwvwAAAAAAAOA/AAAAAAAA4D8AAAAAAADgPwAAAAAAAOA/AAAAAAAA4D8AAAAAAADgPwAAAAAAAOA/AAAAAAAA4D8CAAAAjAAAAAEAAAAAAAAARFRqC////wgAAAAAAAAAAAAAAAAAAAAAAAAAAAAAAAAAAAAAZAAAAAEAAABAAAAAAAAAAAAAAAAAAAAAAAAAAAAAAAAAAAAAAAAAAAAAAAAAAAAAAAAAAAAAAAAAAAAAAAAAAAAAAAAAAAAAAAAAAAAAAAAAAAAAAAAAAAAAAAAAAAAAFAAAADwAAAABAAAAAAAAAP///wgoAAAAAQAAABQAAAAUAAAAFAAAAAEAAAAAAAAAZAAAAGQAAAAAAAAAZAAAAGQAAAAVAAAAYAAAAAAAAAAAAAAADwAAACADAAAAAAAAAAAAAAEAAACgMgAAVgcAAKr4//8BAAAAf39/AAEAAABkAAAAAAAAABQAAABAHwAAAAAAACYAAAAAAAAAwOD//wAAAAAmAAAAZAAAABYAAABMAAAAAAAAAAAAAAAEAAAAAAAAAAEAAADn5uYKAAAAACgAAAAoAAAAZAAAAGQAAAAAAAAAzMzMAAAAAABQAAAAUAAAAGQAAABkAAAAAAAAABcAAAAUAAAAAAAAAAAAAAD/fwAA/38AAAAAAAAJAAAABAAAANI4I6seAAAAaAAAAAAAAAAAAAAAAAAAAAAAAAAAAAAAECcAABAnAAAAAAAAAAAAAAAAAAAAAAAAAAAAAAAAAAAAAAAAAAAAABQAAAAAAAAAwMD/AAAAAABkAAAAMgAAAAAAAABkAAAAAAAAAH9/fwAKAAAAIgAAABgAAAAAAAAAAAAAAAAAAAAAAAAAAAAAAAAAAAAkAAAAJAAAAAAAAAAHAAAAAAAAAAAAAAAAAAAAAAAAAAAAAAAAAAAAf39/ACUAAABYAAAAAAAAAAAAAAAAAAAAAAAAAAAAAAAAAAAAAAAAAAAAAAAAAAAAAAAAAAAAAAA/AAAAAAAAAKCGAQAAAAAAAAAAAAAAAAAMAAAAAQAAAAAAAAAAAAAAAAAAAB8AAABUAAAARFRqBP///wEAAAAAAAAAAAAAAAAAAAAAAAAAAAAAAAAAAAAAAAAAAP///wF/f38A5+bmA8zMzADAwP8Af39/AAAAAAAAAAAAAAAAAAAAAAAAAAAAIQAAABgAAAAUAAAA9SEAANgXAACQKwAAAhoAABAAAAAmAAAACAAAAP//////////"/>
+                <pr:smNativeData xmlns="smNativeData" xmlns:pr="smNativeData" xmlns:p15="http://schemas.microsoft.com/office/powerpoint/2012/main" xmlns:p14="http://schemas.microsoft.com/office/powerpoint/2010/main" xmlns:mc="http://schemas.openxmlformats.org/markup-compatibility/2006" val="SMDATA_15_q5OGZBMAAAAlAAAAZQAAAA0AAAAAjgAAAEcAAACOAAAARwAAAAAAAAABAAAAAAAAAAEAAABQAAAAhbacS3FV1T8AAAAAAADwvwAAAAAAAOA/AAAAAAAA4D8AAAAAAADgPwAAAAAAAOA/AAAAAAAA4D8AAAAAAADgPwAAAAAAAOA/AAAAAAAA4D8CAAAAjAAAAAEAAAAAAAAARFRqC////wgAAAAAAAAAAAAAAAAAAAAAAAAAAAAAAAAAAAAAZAAAAAEAAABAAAAAAAAAAAAAAAAAAAAAAAAAAAAAAAAAAAAAAAAAAAAAAAAAAAAAAAAAAAAAAAAAAAAAAAAAAAAAAAAAAAAAAAAAAAAAAAAAAAAAAAAAAAAAAAAAAAAAFAAAADwAAAABAAAAAAAAAP///wgoAAAAAQAAABQAAAAUAAAAFAAAAAEAAAAAAAAAZAAAAGQAAAAAAAAAZAAAAGQAAAAVAAAAYAAAAAAAAAAAAAAADwAAACADAAAAAAAAAAAAAAEAAACgMgAAVgcAAKr4//8BAAAAf39/AAEAAABkAAAAAAAAABQAAABAHwAAAAAAACYAAAAAAAAAwOD//wAAAAAmAAAAZAAAABYAAABMAAAAAAAAAAAAAAAEAAAAAAAAAAEAAADn5uYKAAAAACgAAAAoAAAAZAAAAGQAAAAAAAAAzMzMAAAAAABQAAAAUAAAAGQAAABkAAAAAAAAABcAAAAUAAAAAAAAAAAAAAD/fwAA/38AAAAAAAAJAAAABAAAANI4I6seAAAAaAAAAAAAAAAAAAAAAAAAAAAAAAAAAAAAECcAABAnAAAAAAAAAAAAAAAAAAAAAAAAAAAAAAAAAAAAAAAAAAAAABQAAAAAAAAAwMD/AAAAAABkAAAAMgAAAAAAAABkAAAAAAAAAH9/fwAKAAAAIgAAABgAAAAAAAAAAAAAAAAAAAAAAAAAAAAAAAAAAAAkAAAAJAAAAAAAAAAHAAAAAAAAAAAAAAAAAAAAAAAAAAAAAAAAAAAAf39/ACUAAABYAAAAAAAAAAAAAAAAAAAAAAAAAAAAAAAAAAAAAAAAAAAAAAAAAAAAAAAAAAAAAAA/AAAAAAAAAKCGAQAAAAAAAAAAAAAAAAAMAAAAAQAAAAAAAAAAAAAAAAAAAB8AAABUAAAARFRqBP///wEAAAAAAAAAAAAAAAAAAAAAAAAAAAAAAAAAAAAAAAAAAP///wF/f38A5+bmA8zMzADAwP8Af39/AAAAAAAAAAAAAAAAAAAAAAAAAAAAIQAAABgAAAAUAAAA9SEAANgXAACQKwAAAhoAABAAAAAmAAAACAAAAP//////////"/>
               </a:ext>
             </a:extLst>
           </p:cNvSpPr>
@@ -10783,8 +10752,8 @@
               </a:lnSpc>
               <a:defRPr lang="pt-br" cap="none">
                 <a:latin typeface="Arial" pitchFamily="2" charset="0"/>
-                <a:ea typeface="DejaVu Sans" pitchFamily="0" charset="0"/>
-                <a:cs typeface="DejaVu Sans" pitchFamily="0" charset="0"/>
+                <a:ea typeface="DejaVu Sans" charset="0"/>
+                <a:cs typeface="DejaVu Sans" charset="0"/>
               </a:defRPr>
             </a:pPr>
             <a:r>
@@ -10793,8 +10762,8 @@
                   <a:srgbClr val="FFFFFF"/>
                 </a:solidFill>
                 <a:latin typeface="Calibri" pitchFamily="2" charset="0"/>
-                <a:ea typeface="DejaVu Sans" pitchFamily="0" charset="0"/>
-                <a:cs typeface="DejaVu Sans" pitchFamily="0" charset="0"/>
+                <a:ea typeface="DejaVu Sans" charset="0"/>
+                <a:cs typeface="DejaVu Sans" charset="0"/>
               </a:rPr>
               <a:t>coelho</a:t>
             </a:r>
@@ -10807,7 +10776,7 @@
           <p:cNvSpPr>
             <a:extLst>
               <a:ext uri="smNativeData">
-                <pr:smNativeData xmlns:pr="smNativeData" xmlns="smNativeData" val="SMDATA_15_q5OGZBMAAAAlAAAAZQAAAA0AAAAAjgAAAEcAAACOAAAARwAAAAAAAAABAAAAAAAAAAEAAABQAAAAhbacS3FV1T8AAAAAAADwvwAAAAAAAOA/AAAAAAAA4D8AAAAAAADgPwAAAAAAAOA/AAAAAAAA4D8AAAAAAADgPwAAAAAAAOA/AAAAAAAA4D8CAAAAjAAAAAEAAAAAAAAARFRqC////wgAAAAAAAAAAAAAAAAAAAAAAAAAAAAAAAAAAAAAZAAAAAEAAABAAAAAAAAAAAAAAAAAAAAAAAAAAAAAAAAAAAAAAAAAAAAAAAAAAAAAAAAAAAAAAAAAAAAAAAAAAAAAAAAAAAAAAAAAAAAAAAAAAAAAAAAAAAAAAAAAAAAAFAAAADwAAAABAAAAAAAAAP///wgoAAAAAQAAABQAAAAUAAAAFAAAAAEAAAAAAAAAZAAAAGQAAAAAAAAAZAAAAGQAAAAVAAAAYAAAAAAAAAAAAAAADwAAACADAAAAAAAAAAAAAAEAAACgMgAAVgcAAKr4//8BAAAAf39/AAEAAABkAAAAAAAAABQAAABAHwAAAAAAACYAAAAAAAAAwOD//wAAAAAmAAAAZAAAABYAAABMAAAAAAAAAAAAAAAEAAAAAAAAAAEAAADn5uYKAAAAACgAAAAoAAAAZAAAAGQAAAAAAAAAzMzMAAAAAABQAAAAUAAAAGQAAABkAAAAAAAAABcAAAAUAAAAAAAAAAAAAAD/fwAA/38AAAAAAAAJAAAABAAAAF8AYAAeAAAAaAAAAAAAAAAAAAAAAAAAAAAAAAAAAAAAECcAABAnAAAAAAAAAAAAAAAAAAAAAAAAAAAAAAAAAAAAAAAAAAAAABQAAAAAAAAAwMD/AAAAAABkAAAAMgAAAAAAAABkAAAAAAAAAH9/fwAKAAAAIgAAABgAAAAAAAAAAAAAAAAAAAAAAAAAAAAAAAAAAAAkAAAAJAAAAAAAAAAHAAAAAAAAAAAAAAAAAAAAAAAAAAAAAAAAAAAAf39/ACUAAABYAAAAAAAAAAAAAAAAAAAAAAAAAAAAAAAAAAAAAAAAAAAAAAAAAAAAAAAAAAAAAAA/AAAAAAAAAKCGAQAAAAAAAAAAAAAAAAAMAAAAAQAAAAAAAAAAAAAAAAAAAB8AAABUAAAARFRqBP///wEAAAAAAAAAAAAAAAAAAAAAAAAAAAAAAAAAAAAAAAAAAP///wF/f38A5+bmA8zMzADAwP8Af39/AAAAAAAAAAAAAAAAAAAAAAAAAAAAIQAAABgAAAAUAAAA2TYAAKAaAABzQAAAyhwAABAAAAAmAAAACAAAAP//////////"/>
+                <pr:smNativeData xmlns="smNativeData" xmlns:pr="smNativeData" xmlns:p15="http://schemas.microsoft.com/office/powerpoint/2012/main" xmlns:p14="http://schemas.microsoft.com/office/powerpoint/2010/main" xmlns:mc="http://schemas.openxmlformats.org/markup-compatibility/2006" val="SMDATA_15_q5OGZBMAAAAlAAAAZQAAAA0AAAAAjgAAAEcAAACOAAAARwAAAAAAAAABAAAAAAAAAAEAAABQAAAAhbacS3FV1T8AAAAAAADwvwAAAAAAAOA/AAAAAAAA4D8AAAAAAADgPwAAAAAAAOA/AAAAAAAA4D8AAAAAAADgPwAAAAAAAOA/AAAAAAAA4D8CAAAAjAAAAAEAAAAAAAAARFRqC////wgAAAAAAAAAAAAAAAAAAAAAAAAAAAAAAAAAAAAAZAAAAAEAAABAAAAAAAAAAAAAAAAAAAAAAAAAAAAAAAAAAAAAAAAAAAAAAAAAAAAAAAAAAAAAAAAAAAAAAAAAAAAAAAAAAAAAAAAAAAAAAAAAAAAAAAAAAAAAAAAAAAAAFAAAADwAAAABAAAAAAAAAP///wgoAAAAAQAAABQAAAAUAAAAFAAAAAEAAAAAAAAAZAAAAGQAAAAAAAAAZAAAAGQAAAAVAAAAYAAAAAAAAAAAAAAADwAAACADAAAAAAAAAAAAAAEAAACgMgAAVgcAAKr4//8BAAAAf39/AAEAAABkAAAAAAAAABQAAABAHwAAAAAAACYAAAAAAAAAwOD//wAAAAAmAAAAZAAAABYAAABMAAAAAAAAAAAAAAAEAAAAAAAAAAEAAADn5uYKAAAAACgAAAAoAAAAZAAAAGQAAAAAAAAAzMzMAAAAAABQAAAAUAAAAGQAAABkAAAAAAAAABcAAAAUAAAAAAAAAAAAAAD/fwAA/38AAAAAAAAJAAAABAAAAF8AYAAeAAAAaAAAAAAAAAAAAAAAAAAAAAAAAAAAAAAAECcAABAnAAAAAAAAAAAAAAAAAAAAAAAAAAAAAAAAAAAAAAAAAAAAABQAAAAAAAAAwMD/AAAAAABkAAAAMgAAAAAAAABkAAAAAAAAAH9/fwAKAAAAIgAAABgAAAAAAAAAAAAAAAAAAAAAAAAAAAAAAAAAAAAkAAAAJAAAAAAAAAAHAAAAAAAAAAAAAAAAAAAAAAAAAAAAAAAAAAAAf39/ACUAAABYAAAAAAAAAAAAAAAAAAAAAAAAAAAAAAAAAAAAAAAAAAAAAAAAAAAAAAAAAAAAAAA/AAAAAAAAAKCGAQAAAAAAAAAAAAAAAAAMAAAAAQAAAAAAAAAAAAAAAAAAAB8AAABUAAAARFRqBP///wEAAAAAAAAAAAAAAAAAAAAAAAAAAAAAAAAAAAAAAAAAAP///wF/f38A5+bmA8zMzADAwP8Af39/AAAAAAAAAAAAAAAAAAAAAAAAAAAAIQAAABgAAAAUAAAA2TYAAKAaAABzQAAAyhwAABAAAAAmAAAACAAAAP//////////"/>
               </a:ext>
             </a:extLst>
           </p:cNvSpPr>
@@ -10846,8 +10815,8 @@
               </a:lnSpc>
               <a:defRPr lang="pt-br" cap="none">
                 <a:latin typeface="Arial" pitchFamily="2" charset="0"/>
-                <a:ea typeface="DejaVu Sans" pitchFamily="0" charset="0"/>
-                <a:cs typeface="DejaVu Sans" pitchFamily="0" charset="0"/>
+                <a:ea typeface="DejaVu Sans" charset="0"/>
+                <a:cs typeface="DejaVu Sans" charset="0"/>
               </a:defRPr>
             </a:pPr>
             <a:r>
@@ -10856,8 +10825,8 @@
                   <a:srgbClr val="FFFFFF"/>
                 </a:solidFill>
                 <a:latin typeface="Calibri" pitchFamily="2" charset="0"/>
-                <a:ea typeface="DejaVu Sans" pitchFamily="0" charset="0"/>
-                <a:cs typeface="DejaVu Sans" pitchFamily="0" charset="0"/>
+                <a:ea typeface="DejaVu Sans" charset="0"/>
+                <a:cs typeface="DejaVu Sans" charset="0"/>
               </a:rPr>
               <a:t>leão</a:t>
             </a:r>
@@ -10870,7 +10839,7 @@
           <p:cNvSpPr>
             <a:extLst>
               <a:ext uri="smNativeData">
-                <pr:smNativeData xmlns:pr="smNativeData" xmlns="smNativeData" val="SMDATA_15_q5OGZBMAAAAlAAAAZQAAAA0AAAAAjgAAAEcAAACOAAAARwAAAAAAAAABAAAAAAAAAAEAAABQAAAAhbacS3FV1T8AAAAAAADwvwAAAAAAAOA/AAAAAAAA4D8AAAAAAADgPwAAAAAAAOA/AAAAAAAA4D8AAAAAAADgPwAAAAAAAOA/AAAAAAAA4D8CAAAAjAAAAAEAAAAAAAAARFRqC////wgAAAAAAAAAAAAAAAAAAAAAAAAAAAAAAAAAAAAAZAAAAAEAAABAAAAAAAAAAAAAAAAAAAAAAAAAAAAAAAAAAAAAAAAAAAAAAAAAAAAAAAAAAAAAAAAAAAAAAAAAAAAAAAAAAAAAAAAAAAAAAAAAAAAAAAAAAAAAAAAAAAAAFAAAADwAAAABAAAAAAAAAP///wgoAAAAAQAAABQAAAAUAAAAFAAAAAEAAAAAAAAAZAAAAGQAAAAAAAAAZAAAAGQAAAAVAAAAYAAAAAAAAAAAAAAADwAAACADAAAAAAAAAAAAAAEAAACgMgAAVgcAAKr4//8BAAAAf39/AAEAAABkAAAAAAAAABQAAABAHwAAAAAAACYAAAAAAAAAwOD//wAAAAAmAAAAZAAAABYAAABMAAAAAAAAAAAAAAAEAAAAAAAAAAEAAADn5uYKAAAAACgAAAAoAAAAZAAAAGQAAAAAAAAAzMzMAAAAAABQAAAAUAAAAGQAAABkAAAAAAAAABcAAAAUAAAAAAAAAAAAAAD/fwAA/38AAAAAAAAJAAAABAAAAF8AYAAeAAAAaAAAAAAAAAAAAAAAAAAAAAAAAAAAAAAAECcAABAnAAAAAAAAAAAAAAAAAAAAAAAAAAAAAAAAAAAAAAAAAAAAABQAAAAAAAAAwMD/AAAAAABkAAAAMgAAAAAAAABkAAAAAAAAAH9/fwAKAAAAIgAAABgAAAAAAAAAAAAAAAAAAAAAAAAAAAAAAAAAAAAkAAAAJAAAAAAAAAAHAAAAAAAAAAAAAAAAAAAAAAAAAAAAAAAAAAAAf39/ACUAAABYAAAAAAAAAAAAAAAAAAAAAAAAAAAAAAAAAAAAAAAAAAAAAAAAAAAAAAAAAAAAAAA/AAAAAAAAAKCGAQAAAAAAAAAAAAAAAAAMAAAAAQAAAAAAAAAAAAAAAAAAAB8AAABUAAAARFRqBP///wEAAAAAAAAAAAAAAAAAAAAAAAAAAAAAAAAAAAAAAAAAAP///wF/f38A5+bmA8zMzADAwP8Af39/AAAAAAAAAAAAAAAAAAAAAAAAAAAAIQAAABgAAAAUAAAAfywAAJsaAAAaNgAAxBwAABAAAAAmAAAACAAAAP//////////"/>
+                <pr:smNativeData xmlns="smNativeData" xmlns:pr="smNativeData" xmlns:p15="http://schemas.microsoft.com/office/powerpoint/2012/main" xmlns:p14="http://schemas.microsoft.com/office/powerpoint/2010/main" xmlns:mc="http://schemas.openxmlformats.org/markup-compatibility/2006" val="SMDATA_15_q5OGZBMAAAAlAAAAZQAAAA0AAAAAjgAAAEcAAACOAAAARwAAAAAAAAABAAAAAAAAAAEAAABQAAAAhbacS3FV1T8AAAAAAADwvwAAAAAAAOA/AAAAAAAA4D8AAAAAAADgPwAAAAAAAOA/AAAAAAAA4D8AAAAAAADgPwAAAAAAAOA/AAAAAAAA4D8CAAAAjAAAAAEAAAAAAAAARFRqC////wgAAAAAAAAAAAAAAAAAAAAAAAAAAAAAAAAAAAAAZAAAAAEAAABAAAAAAAAAAAAAAAAAAAAAAAAAAAAAAAAAAAAAAAAAAAAAAAAAAAAAAAAAAAAAAAAAAAAAAAAAAAAAAAAAAAAAAAAAAAAAAAAAAAAAAAAAAAAAAAAAAAAAFAAAADwAAAABAAAAAAAAAP///wgoAAAAAQAAABQAAAAUAAAAFAAAAAEAAAAAAAAAZAAAAGQAAAAAAAAAZAAAAGQAAAAVAAAAYAAAAAAAAAAAAAAADwAAACADAAAAAAAAAAAAAAEAAACgMgAAVgcAAKr4//8BAAAAf39/AAEAAABkAAAAAAAAABQAAABAHwAAAAAAACYAAAAAAAAAwOD//wAAAAAmAAAAZAAAABYAAABMAAAAAAAAAAAAAAAEAAAAAAAAAAEAAADn5uYKAAAAACgAAAAoAAAAZAAAAGQAAAAAAAAAzMzMAAAAAABQAAAAUAAAAGQAAABkAAAAAAAAABcAAAAUAAAAAAAAAAAAAAD/fwAA/38AAAAAAAAJAAAABAAAAF8AYAAeAAAAaAAAAAAAAAAAAAAAAAAAAAAAAAAAAAAAECcAABAnAAAAAAAAAAAAAAAAAAAAAAAAAAAAAAAAAAAAAAAAAAAAABQAAAAAAAAAwMD/AAAAAABkAAAAMgAAAAAAAABkAAAAAAAAAH9/fwAKAAAAIgAAABgAAAAAAAAAAAAAAAAAAAAAAAAAAAAAAAAAAAAkAAAAJAAAAAAAAAAHAAAAAAAAAAAAAAAAAAAAAAAAAAAAAAAAAAAAf39/ACUAAABYAAAAAAAAAAAAAAAAAAAAAAAAAAAAAAAAAAAAAAAAAAAAAAAAAAAAAAAAAAAAAAA/AAAAAAAAAKCGAQAAAAAAAAAAAAAAAAAMAAAAAQAAAAAAAAAAAAAAAAAAAB8AAABUAAAARFRqBP///wEAAAAAAAAAAAAAAAAAAAAAAAAAAAAAAAAAAAAAAAAAAP///wF/f38A5+bmA8zMzADAwP8Af39/AAAAAAAAAAAAAAAAAAAAAAAAAAAAIQAAABgAAAAUAAAAfywAAJsaAAAaNgAAxBwAABAAAAAmAAAACAAAAP//////////"/>
               </a:ext>
             </a:extLst>
           </p:cNvSpPr>
@@ -10909,8 +10878,8 @@
               </a:lnSpc>
               <a:defRPr lang="pt-br" cap="none">
                 <a:latin typeface="Arial" pitchFamily="2" charset="0"/>
-                <a:ea typeface="DejaVu Sans" pitchFamily="0" charset="0"/>
-                <a:cs typeface="DejaVu Sans" pitchFamily="0" charset="0"/>
+                <a:ea typeface="DejaVu Sans" charset="0"/>
+                <a:cs typeface="DejaVu Sans" charset="0"/>
               </a:defRPr>
             </a:pPr>
             <a:r>
@@ -10919,8 +10888,8 @@
                   <a:srgbClr val="FFFFFF"/>
                 </a:solidFill>
                 <a:latin typeface="Calibri" pitchFamily="2" charset="0"/>
-                <a:ea typeface="DejaVu Sans" pitchFamily="0" charset="0"/>
-                <a:cs typeface="DejaVu Sans" pitchFamily="0" charset="0"/>
+                <a:ea typeface="DejaVu Sans" charset="0"/>
+                <a:cs typeface="DejaVu Sans" charset="0"/>
               </a:rPr>
               <a:t>hiena</a:t>
             </a:r>
@@ -10933,7 +10902,7 @@
           <p:cNvSpPr>
             <a:extLst>
               <a:ext uri="smNativeData">
-                <pr:smNativeData xmlns:pr="smNativeData" xmlns="smNativeData" val="SMDATA_15_q5OGZBMAAAAlAAAAZQAAAA0AAAAAjgAAAEcAAACOAAAARwAAAAAAAAABAAAAAAAAAAEAAABQAAAAhbacS3FV1T8AAAAAAADwvwAAAAAAAOA/AAAAAAAA4D8AAAAAAADgPwAAAAAAAOA/AAAAAAAA4D8AAAAAAADgPwAAAAAAAOA/AAAAAAAA4D8CAAAAjAAAAAEAAAAAAAAARFRqC////wgAAAAAAAAAAAAAAAAAAAAAAAAAAAAAAAAAAAAAZAAAAAEAAABAAAAAAAAAAAAAAAAAAAAAAAAAAAAAAAAAAAAAAAAAAAAAAAAAAAAAAAAAAAAAAAAAAAAAAAAAAAAAAAAAAAAAAAAAAAAAAAAAAAAAAAAAAAAAAAAAAAAAFAAAADwAAAABAAAAAAAAAP///wgoAAAAAQAAABQAAAAUAAAAFAAAAAEAAAAAAAAAZAAAAGQAAAAAAAAAZAAAAGQAAAAVAAAAYAAAAAAAAAAAAAAADwAAACADAAAAAAAAAAAAAAEAAACgMgAAVgcAAKr4//8BAAAAf39/AAEAAABkAAAAAAAAABQAAABAHwAAAAAAACYAAAAAAAAAwOD//wAAAAAmAAAAZAAAABYAAABMAAAAAAAAAAAAAAAEAAAAAAAAAAEAAADn5uYKAAAAACgAAAAoAAAAZAAAAGQAAAAAAAAAzMzMAAAAAABQAAAAUAAAAGQAAABkAAAAAAAAABcAAAAUAAAAAAAAAAAAAAD/fwAA/38AAAAAAAAJAAAABAAAAAdR6UQeAAAAaAAAAAAAAAAAAAAAAAAAAAAAAAAAAAAAECcAABAnAAAAAAAAAAAAAAAAAAAAAAAAAAAAAAAAAAAAAAAAAAAAABQAAAAAAAAAwMD/AAAAAABkAAAAMgAAAAAAAABkAAAAAAAAAH9/fwAKAAAAIgAAABgAAAAAAAAAAAAAAAAAAAAAAAAAAAAAAAAAAAAkAAAAJAAAAAAAAAAHAAAAAAAAAAAAAAAAAAAAAAAAAAAAAAAAAAAAf39/ACUAAABYAAAAAAAAAAAAAAAAAAAAAAAAAAAAAAAAAAAAAAAAAAAAAAAAAAAAAAAAAAAAAAA/AAAAAAAAAKCGAQAAAAAAAAAAAAAAAAAMAAAAAQAAAAAAAAAAAAAAAAAAAB8AAABUAAAARFRqBP///wEAAAAAAAAAAAAAAAAAAAAAAAAAAAAAAAAAAAAAAAAAAP///wF/f38A5+bmA8zMzADAwP8Af39/AAAAAAAAAAAAAAAAAAAAAAAAAAAAIQAAABgAAAAUAAAAQz4AAL0XAADeRwAA5xkAABAAAAAmAAAACAAAAP//////////"/>
+                <pr:smNativeData xmlns="smNativeData" xmlns:pr="smNativeData" xmlns:p15="http://schemas.microsoft.com/office/powerpoint/2012/main" xmlns:p14="http://schemas.microsoft.com/office/powerpoint/2010/main" xmlns:mc="http://schemas.openxmlformats.org/markup-compatibility/2006" val="SMDATA_15_q5OGZBMAAAAlAAAAZQAAAA0AAAAAjgAAAEcAAACOAAAARwAAAAAAAAABAAAAAAAAAAEAAABQAAAAhbacS3FV1T8AAAAAAADwvwAAAAAAAOA/AAAAAAAA4D8AAAAAAADgPwAAAAAAAOA/AAAAAAAA4D8AAAAAAADgPwAAAAAAAOA/AAAAAAAA4D8CAAAAjAAAAAEAAAAAAAAARFRqC////wgAAAAAAAAAAAAAAAAAAAAAAAAAAAAAAAAAAAAAZAAAAAEAAABAAAAAAAAAAAAAAAAAAAAAAAAAAAAAAAAAAAAAAAAAAAAAAAAAAAAAAAAAAAAAAAAAAAAAAAAAAAAAAAAAAAAAAAAAAAAAAAAAAAAAAAAAAAAAAAAAAAAAFAAAADwAAAABAAAAAAAAAP///wgoAAAAAQAAABQAAAAUAAAAFAAAAAEAAAAAAAAAZAAAAGQAAAAAAAAAZAAAAGQAAAAVAAAAYAAAAAAAAAAAAAAADwAAACADAAAAAAAAAAAAAAEAAACgMgAAVgcAAKr4//8BAAAAf39/AAEAAABkAAAAAAAAABQAAABAHwAAAAAAACYAAAAAAAAAwOD//wAAAAAmAAAAZAAAABYAAABMAAAAAAAAAAAAAAAEAAAAAAAAAAEAAADn5uYKAAAAACgAAAAoAAAAZAAAAGQAAAAAAAAAzMzMAAAAAABQAAAAUAAAAGQAAABkAAAAAAAAABcAAAAUAAAAAAAAAAAAAAD/fwAA/38AAAAAAAAJAAAABAAAAAdR6UQeAAAAaAAAAAAAAAAAAAAAAAAAAAAAAAAAAAAAECcAABAnAAAAAAAAAAAAAAAAAAAAAAAAAAAAAAAAAAAAAAAAAAAAABQAAAAAAAAAwMD/AAAAAABkAAAAMgAAAAAAAABkAAAAAAAAAH9/fwAKAAAAIgAAABgAAAAAAAAAAAAAAAAAAAAAAAAAAAAAAAAAAAAkAAAAJAAAAAAAAAAHAAAAAAAAAAAAAAAAAAAAAAAAAAAAAAAAAAAAf39/ACUAAABYAAAAAAAAAAAAAAAAAAAAAAAAAAAAAAAAAAAAAAAAAAAAAAAAAAAAAAAAAAAAAAA/AAAAAAAAAKCGAQAAAAAAAAAAAAAAAAAMAAAAAQAAAAAAAAAAAAAAAAAAAB8AAABUAAAARFRqBP///wEAAAAAAAAAAAAAAAAAAAAAAAAAAAAAAAAAAAAAAAAAAP///wF/f38A5+bmA8zMzADAwP8Af39/AAAAAAAAAAAAAAAAAAAAAAAAAAAAIQAAABgAAAAUAAAAQz4AAL0XAADeRwAA5xkAABAAAAAmAAAACAAAAP//////////"/>
               </a:ext>
             </a:extLst>
           </p:cNvSpPr>
@@ -10972,8 +10941,8 @@
               </a:lnSpc>
               <a:defRPr lang="pt-br" cap="none">
                 <a:latin typeface="Arial" pitchFamily="2" charset="0"/>
-                <a:ea typeface="DejaVu Sans" pitchFamily="0" charset="0"/>
-                <a:cs typeface="DejaVu Sans" pitchFamily="0" charset="0"/>
+                <a:ea typeface="DejaVu Sans" charset="0"/>
+                <a:cs typeface="DejaVu Sans" charset="0"/>
               </a:defRPr>
             </a:pPr>
             <a:r>
@@ -10982,8 +10951,8 @@
                   <a:srgbClr val="FFFFFF"/>
                 </a:solidFill>
                 <a:latin typeface="Calibri" pitchFamily="2" charset="0"/>
-                <a:ea typeface="DejaVu Sans" pitchFamily="0" charset="0"/>
-                <a:cs typeface="DejaVu Sans" pitchFamily="0" charset="0"/>
+                <a:ea typeface="DejaVu Sans" charset="0"/>
+                <a:cs typeface="DejaVu Sans" charset="0"/>
               </a:rPr>
               <a:t>humano</a:t>
             </a:r>
@@ -10996,7 +10965,7 @@
           <p:cNvSpPr>
             <a:extLst>
               <a:ext uri="smNativeData">
-                <pr:smNativeData xmlns:pr="smNativeData" xmlns="smNativeData" val="SMDATA_15_q5OGZBMAAAAlAAAACwAAAA0AAAAAEykAAHIUAAAQKwAA1hcAAAAAAAAAAAAAAgAAAAEAAABQAAAAAAAAAAAA4D8AAAAAAADgPwAAAAAAAOA/AAAAAAAA4D8AAAAAAADgPwAAAAAAAOA/AAAAAAAA4D8AAAAAAADgPwAAAAAAAOA/AAAAAAAA4D8CAAAAjAAAAAAAAAAAAAAARHLEDP///wgAAAAAAAAAAAAAAAAAAAAAAAAAAAAAAAAAAAAAZAAAAAEAAABAAAAAAAAAAAAAAAAAAAAAAAAAAAAAAAAAAAAAAAAAAAAAAAAAAAAAAAAAAAAAAAAAAAAAAAAAAAAAAAAAAAAAAAAAAAAAAAAAAAAAAAAAAAAAAAAAAAAAFAAAADwAAAABAAAAAAAAAP///wgPAAAAAQAAABQAAAAUAAAAFAAAAAEAAAAAAAAAZAAAAGQAAAACAAAAZAAAAGQAAAAVAAAAYAAAAAAAAAAAAAAADwAAACADAAAAAAAAAAAAAAEAAACgMgAAVgcAAKr4//8BAAAAf39/AAEAAABkAAAAAAAAABQAAABAHwAAAAAAACYAAAAAAAAAwOD//wAAAAAmAAAAZAAAABYAAABMAAAAAAAAAAAAAAAEAAAAAAAAAAEAAADn5uYKAAAAACgAAAAoAAAAZAAAAGQAAAAAAAAAzMzMAAAAAABQAAAAUAAAAGQAAABkAAAAAAAAABcAAAAUAAAAAAAAAAAAAAD/fwAA/38AAAAAAAAJAAAABAAAAILGgJUeAAAAaAAAAAAAAAAAAAAAAAAAAAAAAAAAAAAAECcAABAnAAAAAAAAAAAAAAAAAAAAAAAAAAAAAAAAAAAAAAAAAAAAABQAAAAAAAAAwMD/AAAAAABkAAAAMgAAAAAAAABkAAAAAAAAAH9/fwAKAAAAIgAAABgAAAAAAAAAAAAAAAAAAAAAAAAAAAAAAAAAAAAkAAAAJAAAAAAAAAAHAAAAAAAAAAAAAAAAAAAAAAAAAAAAAAAAAAAAf39/ACUAAABYAAAAAAAAAAAAAAAAAAAAAAAAAAAAAAAAAAAAAAAAAAAAAAAAAAAAAAAAAAAAAAA/AAAAAAAAAKCGAQAAAAAAAAAAAAAAAAAMAAAAAQAAAAAAAAAAAAAAAAAAAB8AAABUAAAARHLEBf///wEAAAAAAAAAAAAAAAAAAAAAAAAAAAAAAAAAAAAAAAAAAP///wF/f38A5+bmA8zMzADAwP8Af39/AAAAAAAAAAAAAAAAAAAAAAAAAAAAIQAAABgAAAAUAAAAEykAAHIUAAAQKwAA1hcAABAAAAAmAAAACAAAAP//////////"/>
+                <pr:smNativeData xmlns="smNativeData" xmlns:pr="smNativeData" xmlns:p15="http://schemas.microsoft.com/office/powerpoint/2012/main" xmlns:p14="http://schemas.microsoft.com/office/powerpoint/2010/main" xmlns:mc="http://schemas.openxmlformats.org/markup-compatibility/2006" val="SMDATA_15_q5OGZBMAAAAlAAAACwAAAA0AAAAAEykAAHIUAAAQKwAA1hcAAAAAAAAAAAAAAgAAAAEAAABQAAAAAAAAAAAA4D8AAAAAAADgPwAAAAAAAOA/AAAAAAAA4D8AAAAAAADgPwAAAAAAAOA/AAAAAAAA4D8AAAAAAADgPwAAAAAAAOA/AAAAAAAA4D8CAAAAjAAAAAAAAAAAAAAARHLEDP///wgAAAAAAAAAAAAAAAAAAAAAAAAAAAAAAAAAAAAAZAAAAAEAAABAAAAAAAAAAAAAAAAAAAAAAAAAAAAAAAAAAAAAAAAAAAAAAAAAAAAAAAAAAAAAAAAAAAAAAAAAAAAAAAAAAAAAAAAAAAAAAAAAAAAAAAAAAAAAAAAAAAAAFAAAADwAAAABAAAAAAAAAP///wgPAAAAAQAAABQAAAAUAAAAFAAAAAEAAAAAAAAAZAAAAGQAAAACAAAAZAAAAGQAAAAVAAAAYAAAAAAAAAAAAAAADwAAACADAAAAAAAAAAAAAAEAAACgMgAAVgcAAKr4//8BAAAAf39/AAEAAABkAAAAAAAAABQAAABAHwAAAAAAACYAAAAAAAAAwOD//wAAAAAmAAAAZAAAABYAAABMAAAAAAAAAAAAAAAEAAAAAAAAAAEAAADn5uYKAAAAACgAAAAoAAAAZAAAAGQAAAAAAAAAzMzMAAAAAABQAAAAUAAAAGQAAABkAAAAAAAAABcAAAAUAAAAAAAAAAAAAAD/fwAA/38AAAAAAAAJAAAABAAAAILGgJUeAAAAaAAAAAAAAAAAAAAAAAAAAAAAAAAAAAAAECcAABAnAAAAAAAAAAAAAAAAAAAAAAAAAAAAAAAAAAAAAAAAAAAAABQAAAAAAAAAwMD/AAAAAABkAAAAMgAAAAAAAABkAAAAAAAAAH9/fwAKAAAAIgAAABgAAAAAAAAAAAAAAAAAAAAAAAAAAAAAAAAAAAAkAAAAJAAAAAAAAAAHAAAAAAAAAAAAAAAAAAAAAAAAAAAAAAAAAAAAf39/ACUAAABYAAAAAAAAAAAAAAAAAAAAAAAAAAAAAAAAAAAAAAAAAAAAAAAAAAAAAAAAAAAAAAA/AAAAAAAAAKCGAQAAAAAAAAAAAAAAAAAMAAAAAQAAAAAAAAAAAAAAAAAAAB8AAABUAAAARHLEBf///wEAAAAAAAAAAAAAAAAAAAAAAAAAAAAAAAAAAAAAAAAAAP///wF/f38A5+bmA8zMzADAwP8Af39/AAAAAAAAAAAAAAAAAAAAAAAAAAAAIQAAABgAAAAUAAAAEykAAHIUAAAQKwAA1hcAABAAAAAmAAAACAAAAP//////////"/>
               </a:ext>
             </a:extLst>
           </p:cNvSpPr>
@@ -11042,7 +11011,7 @@
           <p:cNvSpPr>
             <a:extLst>
               <a:ext uri="smNativeData">
-                <pr:smNativeData xmlns:pr="smNativeData" xmlns="smNativeData" val="SMDATA_15_q5OGZBMAAAAlAAAACwAAAA0AAAAACzIAAHIUAAC8NAAAmBoAAAAAAAAAAAAAAgAAAAEAAABQAAAAAAAAAAAA4D8AAAAAAADgPwAAAAAAAOA/AAAAAAAA4D8AAAAAAADgPwAAAAAAAOA/AAAAAAAA4D8AAAAAAADgPwAAAAAAAOA/AAAAAAAA4D8CAAAAjAAAAAAAAAAAAAAARHLEDP///wgAAAAAAAAAAAAAAAAAAAAAAAAAAAAAAAAAAAAAZAAAAAEAAABAAAAAAAAAAAAAAAAAAAAAAAAAAAAAAAAAAAAAAAAAAAAAAAAAAAAAAAAAAAAAAAAAAAAAAAAAAAAAAAAAAAAAAAAAAAAAAAAAAAAAAAAAAAAAAAAAAAAAFAAAADwAAAABAAAAAAAAAP///wgPAAAAAQAAABQAAAAUAAAAFAAAAAEAAAAAAAAAZAAAAGQAAAACAAAAZAAAAGQAAAAVAAAAYAAAAAAAAAAAAAAADwAAACADAAAAAAAAAAAAAAEAAACgMgAAVgcAAKr4//8BAAAAf39/AAEAAABkAAAAAAAAABQAAABAHwAAAAAAACYAAAAAAAAAwOD//wAAAAAmAAAAZAAAABYAAABMAAAAAAAAAAAAAAAEAAAAAAAAAAEAAADn5uYKAAAAACgAAAAoAAAAZAAAAGQAAAAAAAAAzMzMAAAAAABQAAAAUAAAAGQAAABkAAAAAAAAABcAAAAUAAAAAAAAAAAAAAD/fwAA/38AAAAAAAAJAAAABAAAALICAAAeAAAAaAAAAAAAAAAAAAAAAAAAAAAAAAAAAAAAECcAABAnAAAAAAAAAAAAAAAAAAAAAAAAAAAAAAAAAAAAAAAAAAAAABQAAAAAAAAAwMD/AAAAAABkAAAAMgAAAAAAAABkAAAAAAAAAH9/fwAKAAAAIgAAABgAAAAAAAAAAAAAAAAAAAAAAAAAAAAAAAAAAAAkAAAAJAAAAAAAAAAHAAAAAAAAAAAAAAAAAAAAAAAAAAAAAAAAAAAAf39/ACUAAABYAAAAAAAAAAAAAAAAAAAAAAAAAAAAAAAAAAAAAAAAAAAAAAAAAAAAAAAAAAAAAAA/AAAAAAAAAKCGAQAAAAAAAAAAAAAAAAAMAAAAAQAAAAAAAAAAAAAAAAAAAB8AAABUAAAARHLEBf///wEAAAAAAAAAAAAAAAAAAAAAAAAAAAAAAAAAAAAAAAAAAP///wF/f38A5+bmA8zMzADAwP8Af39/AAAAAAAAAAAAAAAAAAAAAAAAAAAAIQAAABgAAAAUAAAACzIAAHIUAAC8NAAAmBoAABAAAAAmAAAACAAAAP//////////"/>
+                <pr:smNativeData xmlns="smNativeData" xmlns:pr="smNativeData" xmlns:p15="http://schemas.microsoft.com/office/powerpoint/2012/main" xmlns:p14="http://schemas.microsoft.com/office/powerpoint/2010/main" xmlns:mc="http://schemas.openxmlformats.org/markup-compatibility/2006" val="SMDATA_15_q5OGZBMAAAAlAAAACwAAAA0AAAAACzIAAHIUAAC8NAAAmBoAAAAAAAAAAAAAAgAAAAEAAABQAAAAAAAAAAAA4D8AAAAAAADgPwAAAAAAAOA/AAAAAAAA4D8AAAAAAADgPwAAAAAAAOA/AAAAAAAA4D8AAAAAAADgPwAAAAAAAOA/AAAAAAAA4D8CAAAAjAAAAAAAAAAAAAAARHLEDP///wgAAAAAAAAAAAAAAAAAAAAAAAAAAAAAAAAAAAAAZAAAAAEAAABAAAAAAAAAAAAAAAAAAAAAAAAAAAAAAAAAAAAAAAAAAAAAAAAAAAAAAAAAAAAAAAAAAAAAAAAAAAAAAAAAAAAAAAAAAAAAAAAAAAAAAAAAAAAAAAAAAAAAFAAAADwAAAABAAAAAAAAAP///wgPAAAAAQAAABQAAAAUAAAAFAAAAAEAAAAAAAAAZAAAAGQAAAACAAAAZAAAAGQAAAAVAAAAYAAAAAAAAAAAAAAADwAAACADAAAAAAAAAAAAAAEAAACgMgAAVgcAAKr4//8BAAAAf39/AAEAAABkAAAAAAAAABQAAABAHwAAAAAAACYAAAAAAAAAwOD//wAAAAAmAAAAZAAAABYAAABMAAAAAAAAAAAAAAAEAAAAAAAAAAEAAADn5uYKAAAAACgAAAAoAAAAZAAAAGQAAAAAAAAAzMzMAAAAAABQAAAAUAAAAGQAAABkAAAAAAAAABcAAAAUAAAAAAAAAAAAAAD/fwAA/38AAAAAAAAJAAAABAAAALICAAAeAAAAaAAAAAAAAAAAAAAAAAAAAAAAAAAAAAAAECcAABAnAAAAAAAAAAAAAAAAAAAAAAAAAAAAAAAAAAAAAAAAAAAAABQAAAAAAAAAwMD/AAAAAABkAAAAMgAAAAAAAABkAAAAAAAAAH9/fwAKAAAAIgAAABgAAAAAAAAAAAAAAAAAAAAAAAAAAAAAAAAAAAAkAAAAJAAAAAAAAAAHAAAAAAAAAAAAAAAAAAAAAAAAAAAAAAAAAAAAf39/ACUAAABYAAAAAAAAAAAAAAAAAAAAAAAAAAAAAAAAAAAAAAAAAAAAAAAAAAAAAAAAAAAAAAA/AAAAAAAAAKCGAQAAAAAAAAAAAAAAAAAMAAAAAQAAAAAAAAAAAAAAAAAAAB8AAABUAAAARHLEBf///wEAAAAAAAAAAAAAAAAAAAAAAAAAAAAAAAAAAAAAAAAAAP///wF/f38A5+bmA8zMzADAwP8Af39/AAAAAAAAAAAAAAAAAAAAAAAAAAAAIQAAABgAAAAUAAAACzIAAHIUAAC8NAAAmBoAABAAAAAmAAAACAAAAP//////////"/>
               </a:ext>
             </a:extLst>
           </p:cNvSpPr>
@@ -11088,7 +11057,7 @@
           <p:cNvSpPr>
             <a:extLst>
               <a:ext uri="smNativeData">
-                <pr:smNativeData xmlns:pr="smNativeData" xmlns="smNativeData" val="SMDATA_15_q5OGZBMAAAAlAAAACwAAAA0AAAAAHTkAAHIUAADTOgAAmBoAAAAAAAAAAAAAAgAAAAEAAABQAAAAAAAAAAAA4D8AAAAAAADgPwAAAAAAAOA/AAAAAAAA4D8AAAAAAADgPwAAAAAAAOA/AAAAAAAA4D8AAAAAAADgPwAAAAAAAOA/AAAAAAAA4D8CAAAAjAAAAAAAAAAAAAAARHLEDP///wgAAAAAAAAAAAAAAAAAAAAAAAAAAAAAAAAAAAAAZAAAAAEAAABAAAAAAAAAAAAAAAAAAAAAAAAAAAAAAAAAAAAAAAAAAAAAAAAAAAAAAAAAAAAAAAAAAAAAAAAAAAAAAAAAAAAAAAAAAAAAAAAAAAAAAAAAAAAAAAAAAAAAFAAAADwAAAABAAAAAAAAAP///wgPAAAAAQAAABQAAAAUAAAAFAAAAAEAAAAAAAAAZAAAAGQAAAACAAAAZAAAAGQAAAAVAAAAYAAAAAAAAAAAAAAADwAAACADAAAAAAAAAAAAAAEAAACgMgAAVgcAAKr4//8BAAAAf39/AAEAAABkAAAAAAAAABQAAABAHwAAAAAAACYAAAAAAAAAwOD//wAAAAAmAAAAZAAAABYAAABMAAAAAAAAAAAAAAAEAAAAAAAAAAEAAADn5uYKAAAAACgAAAAoAAAAZAAAAGQAAAAAAAAAzMzMAAAAAABQAAAAUAAAAGQAAABkAAAAAAAAABcAAAAUAAAAAAAAAAAAAAD/fwAA/38AAAAAAAAJAAAABAAAAAIAAAAeAAAAaAAAAAAAAAAAAAAAAAAAAAAAAAAAAAAAECcAABAnAAAAAAAAAAAAAAAAAAAAAAAAAAAAAAAAAAAAAAAAAAAAABQAAAAAAAAAwMD/AAAAAABkAAAAMgAAAAAAAABkAAAAAAAAAH9/fwAKAAAAIgAAABgAAAAAAAAAAAAAAAAAAAAAAAAAAAAAAAAAAAAkAAAAJAAAAAAAAAAHAAAAAAAAAAAAAAAAAAAAAAAAAAAAAAAAAAAAf39/ACUAAABYAAAAAAAAAAAAAAAAAAAAAAAAAAAAAAAAAAAAAAAAAAAAAAAAAAAAAAAAAAAAAAA/AAAAAAAAAKCGAQAAAAAAAAAAAAAAAAAMAAAAAQAAAAAAAAAAAAAAAAAAAB8AAABUAAAARHLEBf///wEAAAAAAAAAAAAAAAAAAAAAAAAAAAAAAAAAAAAAAAAAAP///wF/f38A5+bmA8zMzADAwP8Af39/AAAAAAAAAAAAAAAAAAAAAAAAAAAAIQAAABgAAAAUAAAAHTkAAHIUAADTOgAAmBoAABAAAAAmAAAACAAAAP//////////"/>
+                <pr:smNativeData xmlns="smNativeData" xmlns:pr="smNativeData" xmlns:p15="http://schemas.microsoft.com/office/powerpoint/2012/main" xmlns:p14="http://schemas.microsoft.com/office/powerpoint/2010/main" xmlns:mc="http://schemas.openxmlformats.org/markup-compatibility/2006" val="SMDATA_15_q5OGZBMAAAAlAAAACwAAAA0AAAAAHTkAAHIUAADTOgAAmBoAAAAAAAAAAAAAAgAAAAEAAABQAAAAAAAAAAAA4D8AAAAAAADgPwAAAAAAAOA/AAAAAAAA4D8AAAAAAADgPwAAAAAAAOA/AAAAAAAA4D8AAAAAAADgPwAAAAAAAOA/AAAAAAAA4D8CAAAAjAAAAAAAAAAAAAAARHLEDP///wgAAAAAAAAAAAAAAAAAAAAAAAAAAAAAAAAAAAAAZAAAAAEAAABAAAAAAAAAAAAAAAAAAAAAAAAAAAAAAAAAAAAAAAAAAAAAAAAAAAAAAAAAAAAAAAAAAAAAAAAAAAAAAAAAAAAAAAAAAAAAAAAAAAAAAAAAAAAAAAAAAAAAFAAAADwAAAABAAAAAAAAAP///wgPAAAAAQAAABQAAAAUAAAAFAAAAAEAAAAAAAAAZAAAAGQAAAACAAAAZAAAAGQAAAAVAAAAYAAAAAAAAAAAAAAADwAAACADAAAAAAAAAAAAAAEAAACgMgAAVgcAAKr4//8BAAAAf39/AAEAAABkAAAAAAAAABQAAABAHwAAAAAAACYAAAAAAAAAwOD//wAAAAAmAAAAZAAAABYAAABMAAAAAAAAAAAAAAAEAAAAAAAAAAEAAADn5uYKAAAAACgAAAAoAAAAZAAAAGQAAAAAAAAAzMzMAAAAAABQAAAAUAAAAGQAAABkAAAAAAAAABcAAAAUAAAAAAAAAAAAAAD/fwAA/38AAAAAAAAJAAAABAAAAAIAAAAeAAAAaAAAAAAAAAAAAAAAAAAAAAAAAAAAAAAAECcAABAnAAAAAAAAAAAAAAAAAAAAAAAAAAAAAAAAAAAAAAAAAAAAABQAAAAAAAAAwMD/AAAAAABkAAAAMgAAAAAAAABkAAAAAAAAAH9/fwAKAAAAIgAAABgAAAAAAAAAAAAAAAAAAAAAAAAAAAAAAAAAAAAkAAAAJAAAAAAAAAAHAAAAAAAAAAAAAAAAAAAAAAAAAAAAAAAAAAAAf39/ACUAAABYAAAAAAAAAAAAAAAAAAAAAAAAAAAAAAAAAAAAAAAAAAAAAAAAAAAAAAAAAAAAAAA/AAAAAAAAAKCGAQAAAAAAAAAAAAAAAAAMAAAAAQAAAAAAAAAAAAAAAAAAAB8AAABUAAAARHLEBf///wEAAAAAAAAAAAAAAAAAAAAAAAAAAAAAAAAAAAAAAAAAAP///wF/f38A5+bmA8zMzADAwP8Af39/AAAAAAAAAAAAAAAAAAAAAAAAAAAAIQAAABgAAAAUAAAAHTkAAHIUAADTOgAAmBoAABAAAAAmAAAACAAAAP//////////"/>
               </a:ext>
             </a:extLst>
           </p:cNvSpPr>
@@ -11134,7 +11103,7 @@
           <p:cNvSpPr>
             <a:extLst>
               <a:ext uri="smNativeData">
-                <pr:smNativeData xmlns:pr="smNativeData" xmlns="smNativeData" val="SMDATA_15_q5OGZBMAAAAlAAAACwAAAA0AAAAAc0AAAHIUAADrQQAAuxcAAAAAAAAAAAAAAgAAAAEAAABQAAAAAAAAAAAA4D8AAAAAAADgPwAAAAAAAOA/AAAAAAAA4D8AAAAAAADgPwAAAAAAAOA/AAAAAAAA4D8AAAAAAADgPwAAAAAAAOA/AAAAAAAA4D8CAAAAjAAAAAAAAAAAAAAARHLEDP///wgAAAAAAAAAAAAAAAAAAAAAAAAAAAAAAAAAAAAAZAAAAAEAAABAAAAAAAAAAAAAAAAAAAAAAAAAAAAAAAAAAAAAAAAAAAAAAAAAAAAAAAAAAAAAAAAAAAAAAAAAAAAAAAAAAAAAAAAAAAAAAAAAAAAAAAAAAAAAAAAAAAAAFAAAADwAAAABAAAAAAAAAP///wgPAAAAAQAAABQAAAAUAAAAFAAAAAEAAAAAAAAAZAAAAGQAAAACAAAAZAAAAGQAAAAVAAAAYAAAAAAAAAAAAAAADwAAACADAAAAAAAAAAAAAAEAAACgMgAAVgcAAKr4//8BAAAAf39/AAEAAABkAAAAAAAAABQAAABAHwAAAAAAACYAAAAAAAAAwOD//wAAAAAmAAAAZAAAABYAAABMAAAAAAAAAAAAAAAEAAAAAAAAAAEAAADn5uYKAAAAACgAAAAoAAAAZAAAAGQAAAAAAAAAzMzMAAAAAABQAAAAUAAAAGQAAABkAAAAAAAAABcAAAAUAAAAAAAAAAAAAAD/fwAA/38AAAAAAAAJAAAABAAAAH0AAAAeAAAAaAAAAAAAAAAAAAAAAAAAAAAAAAAAAAAAECcAABAnAAAAAAAAAAAAAAAAAAAAAAAAAAAAAAAAAAAAAAAAAAAAABQAAAAAAAAAwMD/AAAAAABkAAAAMgAAAAAAAABkAAAAAAAAAH9/fwAKAAAAIgAAABgAAAAAAAAAAAAAAAAAAAAAAAAAAAAAAAAAAAAkAAAAJAAAAAAAAAAHAAAAAAAAAAAAAAAAAAAAAAAAAAAAAAAAAAAAf39/ACUAAABYAAAAAAAAAAAAAAAAAAAAAAAAAAAAAAAAAAAAAAAAAAAAAAAAAAAAAAAAAAAAAAA/AAAAAAAAAKCGAQAAAAAAAAAAAAAAAAAMAAAAAQAAAAAAAAAAAAAAAAAAAB8AAABUAAAARHLEBf///wEAAAAAAAAAAAAAAAAAAAAAAAAAAAAAAAAAAAAAAAAAAP///wF/f38A5+bmA8zMzADAwP8Af39/AAAAAAAAAAAAAAAAAAAAAAAAAAAAIQAAABgAAAAUAAAAc0AAAHIUAADrQQAAuxcAABAAAAAmAAAACAAAAP//////////"/>
+                <pr:smNativeData xmlns="smNativeData" xmlns:pr="smNativeData" xmlns:p15="http://schemas.microsoft.com/office/powerpoint/2012/main" xmlns:p14="http://schemas.microsoft.com/office/powerpoint/2010/main" xmlns:mc="http://schemas.openxmlformats.org/markup-compatibility/2006" val="SMDATA_15_q5OGZBMAAAAlAAAACwAAAA0AAAAAc0AAAHIUAADrQQAAuxcAAAAAAAAAAAAAAgAAAAEAAABQAAAAAAAAAAAA4D8AAAAAAADgPwAAAAAAAOA/AAAAAAAA4D8AAAAAAADgPwAAAAAAAOA/AAAAAAAA4D8AAAAAAADgPwAAAAAAAOA/AAAAAAAA4D8CAAAAjAAAAAAAAAAAAAAARHLEDP///wgAAAAAAAAAAAAAAAAAAAAAAAAAAAAAAAAAAAAAZAAAAAEAAABAAAAAAAAAAAAAAAAAAAAAAAAAAAAAAAAAAAAAAAAAAAAAAAAAAAAAAAAAAAAAAAAAAAAAAAAAAAAAAAAAAAAAAAAAAAAAAAAAAAAAAAAAAAAAAAAAAAAAFAAAADwAAAABAAAAAAAAAP///wgPAAAAAQAAABQAAAAUAAAAFAAAAAEAAAAAAAAAZAAAAGQAAAACAAAAZAAAAGQAAAAVAAAAYAAAAAAAAAAAAAAADwAAACADAAAAAAAAAAAAAAEAAACgMgAAVgcAAKr4//8BAAAAf39/AAEAAABkAAAAAAAAABQAAABAHwAAAAAAACYAAAAAAAAAwOD//wAAAAAmAAAAZAAAABYAAABMAAAAAAAAAAAAAAAEAAAAAAAAAAEAAADn5uYKAAAAACgAAAAoAAAAZAAAAGQAAAAAAAAAzMzMAAAAAABQAAAAUAAAAGQAAABkAAAAAAAAABcAAAAUAAAAAAAAAAAAAAD/fwAA/38AAAAAAAAJAAAABAAAAH0AAAAeAAAAaAAAAAAAAAAAAAAAAAAAAAAAAAAAAAAAECcAABAnAAAAAAAAAAAAAAAAAAAAAAAAAAAAAAAAAAAAAAAAAAAAABQAAAAAAAAAwMD/AAAAAABkAAAAMgAAAAAAAABkAAAAAAAAAH9/fwAKAAAAIgAAABgAAAAAAAAAAAAAAAAAAAAAAAAAAAAAAAAAAAAkAAAAJAAAAAAAAAAHAAAAAAAAAAAAAAAAAAAAAAAAAAAAAAAAAAAAf39/ACUAAABYAAAAAAAAAAAAAAAAAAAAAAAAAAAAAAAAAAAAAAAAAAAAAAAAAAAAAAAAAAAAAAA/AAAAAAAAAKCGAQAAAAAAAAAAAAAAAAAMAAAAAQAAAAAAAAAAAAAAAAAAAB8AAABUAAAARHLEBf///wEAAAAAAAAAAAAAAAAAAAAAAAAAAAAAAAAAAAAAAAAAAP///wF/f38A5+bmA8zMzADAwP8Af39/AAAAAAAAAAAAAAAAAAAAAAAAAAAAIQAAABgAAAAUAAAAc0AAAHIUAADrQQAAuxcAABAAAAAmAAAACAAAAP//////////"/>
               </a:ext>
             </a:extLst>
           </p:cNvSpPr>
@@ -11179,18 +11148,11 @@
   <p:clrMapOvr>
     <a:masterClrMapping/>
   </p:clrMapOvr>
-  <p:timing>
-    <p:tnLst>
-      <p:par>
-        <p:cTn id="1" dur="indefinite" restart="never" nodeType="tmRoot"/>
-      </p:par>
-    </p:tnLst>
-  </p:timing>
 </p:sld>
 </file>
 
 <file path=ppt/slides/slide11.xml><?xml version="1.0" encoding="utf-8"?>
-<p:sld xmlns:p="http://schemas.openxmlformats.org/presentationml/2006/main" xmlns:mc="http://schemas.openxmlformats.org/markup-compatibility/2006" xmlns:p14="http://schemas.microsoft.com/office/powerpoint/2010/main" xmlns:p15="http://schemas.microsoft.com/office/powerpoint/2012/main" xmlns:r="http://schemas.openxmlformats.org/officeDocument/2006/relationships" xmlns:a="http://schemas.openxmlformats.org/drawingml/2006/main" mc:Ignorable="p14">
+<p:sld xmlns:a="http://schemas.openxmlformats.org/drawingml/2006/main" xmlns:r="http://schemas.openxmlformats.org/officeDocument/2006/relationships" xmlns:p="http://schemas.openxmlformats.org/presentationml/2006/main">
   <p:cSld>
     <p:bg>
       <p:bgPr>
@@ -11220,7 +11182,7 @@
           <p:cNvSpPr>
             <a:extLst>
               <a:ext uri="smNativeData">
-                <pr:smNativeData xmlns:pr="smNativeData" xmlns="smNativeData" val="SMDATA_15_q5OGZBMAAAAlAAAAqgAAAA0AAAAAkAAAAEgAAACQAAAASAAAAAAAAAAAAAAAAAAAAAEAAABQAAAAda9fBcX/xz8AAAAAAADgPwAAAAAAAOA/AAAAAAAA4D8AAAAAAADgPwAAAAAAAOA/AAAAAAAA4D8AAAAAAADgPwAAAAAAAOA/AAAAAAAA4D8CAAAAjAAAAAEAAAAAAAAANEBQAP///wgAAAAAAAAAAAAAAAAAAAAAAAAAAAAAAAAAAAAAZAAAAAEAAABAAAAAAAAAAAAAAAAAAAAAAAAAAAAAAAAAAAAAAAAAAAAAAAAAAAAAAAAAAAAAAAAAAAAAAAAAAAAAAAAAAAAAAAAAAAAAAAAAAAAAAAAAAAAAAAAAAAAAFAAAADwAAAABAAAAAAAAAP///wgoAAAAAQAAABQAAAAUAAAAFAAAAAEAAAAAAAAAZAAAAGQAAAAAAAAAZAAAAGQAAAAVAAAAYAAAAAAAAAAAAAAADwAAACADAAAAAAAAAAAAAAEAAACgMgAAVgcAAKr4//8BAAAAf39/AAEAAABkAAAAAAAAABQAAABAHwAAAAAAACYAAAAAAAAAwOD//wAAAAAmAAAAZAAAABYAAABMAAAAAAAAAAAAAAAEAAAAAAAAAAEAAADn5uYKAAAAACgAAAAoAAAAZAAAAGQAAAAAAAAAzMzMAAAAAABQAAAAUAAAAGQAAABkAAAAAAAAABcAAAAUAAAAAAAAAAAAAAD/fwAA/38AAAAAAAAJAAAABAAAAF8AYAAeAAAAaAAAAAAAAAAAAAAAAAAAAAAAAAAAAAAAECcAABAnAAAAAAAAAAAAAAAAAAAAAAAAAAAAAAAAAAAAAAAAAAAAABQAAAAAAAAAwMD/AAAAAABkAAAAMgAAAAAAAABkAAAAAAAAAH9/fwAKAAAAIgAAABgAAAAAAAAAAAAAAAAAAAAAAAAAAAAAAAAAAAAkAAAAJAAAAAAAAAAHAAAAAAAAAAAAAAAAAAAAAAAAAAAAAAAAAAAAf39/ACUAAABYAAAAAAAAAAAAAAAAAAAAAAAAAAAAAAAAAAAAAAAAAAAAAAAAAAAAAAAAAAAAAAA/AAAAAAAAAKCGAQAAAAAAAAAAAAAAAAAMAAAAAQAAAAAAAAAAAAAAAAAAAB8AAABUAAAANEBQAP///wEAAAAAAAAAAAAAAAAAAAAAAAAAAAAAAAAAAAAAAAAAAP///wF/f38A5+bmA8zMzADAwP8Af39/AAAAAAAAAAAAAAAAAAAAAAAAAAAAIQAAABgAAAAUAAAAAAAAAAAAAAD/SgAALyoAABAAAAAmAAAACAAAAP//////////"/>
+                <pr:smNativeData xmlns="smNativeData" xmlns:pr="smNativeData" xmlns:p15="http://schemas.microsoft.com/office/powerpoint/2012/main" xmlns:p14="http://schemas.microsoft.com/office/powerpoint/2010/main" xmlns:mc="http://schemas.openxmlformats.org/markup-compatibility/2006" val="SMDATA_15_q5OGZBMAAAAlAAAAqgAAAA0AAAAAkAAAAEgAAACQAAAASAAAAAAAAAAAAAAAAAAAAAEAAABQAAAAda9fBcX/xz8AAAAAAADgPwAAAAAAAOA/AAAAAAAA4D8AAAAAAADgPwAAAAAAAOA/AAAAAAAA4D8AAAAAAADgPwAAAAAAAOA/AAAAAAAA4D8CAAAAjAAAAAEAAAAAAAAANEBQAP///wgAAAAAAAAAAAAAAAAAAAAAAAAAAAAAAAAAAAAAZAAAAAEAAABAAAAAAAAAAAAAAAAAAAAAAAAAAAAAAAAAAAAAAAAAAAAAAAAAAAAAAAAAAAAAAAAAAAAAAAAAAAAAAAAAAAAAAAAAAAAAAAAAAAAAAAAAAAAAAAAAAAAAFAAAADwAAAABAAAAAAAAAP///wgoAAAAAQAAABQAAAAUAAAAFAAAAAEAAAAAAAAAZAAAAGQAAAAAAAAAZAAAAGQAAAAVAAAAYAAAAAAAAAAAAAAADwAAACADAAAAAAAAAAAAAAEAAACgMgAAVgcAAKr4//8BAAAAf39/AAEAAABkAAAAAAAAABQAAABAHwAAAAAAACYAAAAAAAAAwOD//wAAAAAmAAAAZAAAABYAAABMAAAAAAAAAAAAAAAEAAAAAAAAAAEAAADn5uYKAAAAACgAAAAoAAAAZAAAAGQAAAAAAAAAzMzMAAAAAABQAAAAUAAAAGQAAABkAAAAAAAAABcAAAAUAAAAAAAAAAAAAAD/fwAA/38AAAAAAAAJAAAABAAAAF8AYAAeAAAAaAAAAAAAAAAAAAAAAAAAAAAAAAAAAAAAECcAABAnAAAAAAAAAAAAAAAAAAAAAAAAAAAAAAAAAAAAAAAAAAAAABQAAAAAAAAAwMD/AAAAAABkAAAAMgAAAAAAAABkAAAAAAAAAH9/fwAKAAAAIgAAABgAAAAAAAAAAAAAAAAAAAAAAAAAAAAAAAAAAAAkAAAAJAAAAAAAAAAHAAAAAAAAAAAAAAAAAAAAAAAAAAAAAAAAAAAAf39/ACUAAABYAAAAAAAAAAAAAAAAAAAAAAAAAAAAAAAAAAAAAAAAAAAAAAAAAAAAAAAAAAAAAAA/AAAAAAAAAKCGAQAAAAAAAAAAAAAAAAAMAAAAAQAAAAAAAAAAAAAAAAAAAB8AAABUAAAANEBQAP///wEAAAAAAAAAAAAAAAAAAAAAAAAAAAAAAAAAAAAAAAAAAP///wF/f38A5+bmA8zMzADAwP8Af39/AAAAAAAAAAAAAAAAAAAAAAAAAAAAIQAAABgAAAAUAAAAAAAAAAAAAAD/SgAALyoAABAAAAAmAAAACAAAAP//////////"/>
               </a:ext>
             </a:extLst>
           </p:cNvSpPr>
@@ -11256,7 +11218,7 @@
           <p:cNvSpPr>
             <a:extLst>
               <a:ext uri="smNativeData">
-                <pr:smNativeData xmlns:pr="smNativeData" xmlns="smNativeData" val="SMDATA_15_q5OGZBMAAAAlAAAAZAAAAA0AAAAAjgAAAEcAAACOAAAARwAAAAAAAAABAAAAAAAAAAEAAABQAAAAAAAAAAAA4D8AAAAAAADgPwAAAAAAAOA/AAAAAAAA4D8AAAAAAADgPwAAAAAAAOA/AAAAAAAA4D8AAAAAAADgPwAAAAAAAOA/AAAAAAAA4D8CAAAAjAAAAAEAAAAAAAAAIis1AP///wgAAAAAAAAAAAAAAAAAAAAAAAAAAAAAAAAAAAAAZAAAAAEAAABAAAAAAAAAAAAAAAAAAAAAAAAAAAAAAAAAAAAAAAAAAAAAAAAAAAAAAAAAAAAAAAAAAAAAAAAAAAAAAAAAAAAAAAAAAAAAAAAAAAAAAAAAAAAAAAAAAAAAFAAAADwAAAABAAAAAAAAAOfm5gooAAAAAQAAABQAAAAUAAAAFAAAAAEAAAAAAAAAZAAAAGQAAAAAAAAAZAAAAGQAAAAVAAAAYAAAAAAAAAAAAAAADwAAACADAAAAAAAAAAAAAAEAAACgMgAAVgcAAKr4//8BAAAAf39/AAEAAABkAAAAAAAAABQAAABAHwAAAAAAACYAAAAAAAAAwOD//wAAAAAmAAAAZAAAABYAAABMAAAAAAAAAAAAAAAEAAAAAAAAAAEAAADn5uYKAAAAACgAAAAoAAAAZAAAAGQAAAAAAAAAzMzMAAAAAABQAAAAUAAAAGQAAABkAAAAAAAAABcAAAAUAAAAAAAAAAAAAAD/fwAA/38AAAAAAAAJAAAABAAAANE+VyQeAAAAaAAAAAAAAAAAAAAAAAAAAAAAAAAAAAAAECcAABAnAAAAAAAAAAAAAAAAAAAAAAAAAAAAAAAAAAAAAAAAAAAAABQAAAAAAAAAwMD/AAAAAABkAAAAMgAAAAAAAABkAAAAAAAAAH9/fwAKAAAAIgAAABgAAAAAAAAAAAAAAAAAAAAAAAAAAAAAAAAAAAAkAAAAJAAAAAAAAAAHAAAAAAAAAAAAAAAAAAAAAAAAAAAAAAAAAAAAf39/ACUAAABYAAAAAAAAAAAAAAAAAAAAAAAAAAAAAAAAAAAAAAAAAAAAAAAAAAAAAAAAAAAAAAA/AAAAAAAAAKCGAQAAAAAAAAAAAAAAAAAMAAAAAQAAAAAAAAAAAAAAAAAAAB8AAABUAAAAIis1AP///wEAAAAAAAAAAAAAAAAAAAAAAAAAAAAAAAAAAAAAAAAAAOfm5gN/f38A5+bmA8zMzADAwP8Af39/AAAAAAAAAAAAAAAAAAAAAAAAAAAAIQAAABgAAAAUAAAAQhQAAEkBAAC9NgAARAUAABAAAAAmAAAACAAAAP//////////"/>
+                <pr:smNativeData xmlns="smNativeData" xmlns:pr="smNativeData" xmlns:p15="http://schemas.microsoft.com/office/powerpoint/2012/main" xmlns:p14="http://schemas.microsoft.com/office/powerpoint/2010/main" xmlns:mc="http://schemas.openxmlformats.org/markup-compatibility/2006" val="SMDATA_15_q5OGZBMAAAAlAAAAZAAAAA0AAAAAjgAAAEcAAACOAAAARwAAAAAAAAABAAAAAAAAAAEAAABQAAAAAAAAAAAA4D8AAAAAAADgPwAAAAAAAOA/AAAAAAAA4D8AAAAAAADgPwAAAAAAAOA/AAAAAAAA4D8AAAAAAADgPwAAAAAAAOA/AAAAAAAA4D8CAAAAjAAAAAEAAAAAAAAAIis1AP///wgAAAAAAAAAAAAAAAAAAAAAAAAAAAAAAAAAAAAAZAAAAAEAAABAAAAAAAAAAAAAAAAAAAAAAAAAAAAAAAAAAAAAAAAAAAAAAAAAAAAAAAAAAAAAAAAAAAAAAAAAAAAAAAAAAAAAAAAAAAAAAAAAAAAAAAAAAAAAAAAAAAAAFAAAADwAAAABAAAAAAAAAOfm5gooAAAAAQAAABQAAAAUAAAAFAAAAAEAAAAAAAAAZAAAAGQAAAAAAAAAZAAAAGQAAAAVAAAAYAAAAAAAAAAAAAAADwAAACADAAAAAAAAAAAAAAEAAACgMgAAVgcAAKr4//8BAAAAf39/AAEAAABkAAAAAAAAABQAAABAHwAAAAAAACYAAAAAAAAAwOD//wAAAAAmAAAAZAAAABYAAABMAAAAAAAAAAAAAAAEAAAAAAAAAAEAAADn5uYKAAAAACgAAAAoAAAAZAAAAGQAAAAAAAAAzMzMAAAAAABQAAAAUAAAAGQAAABkAAAAAAAAABcAAAAUAAAAAAAAAAAAAAD/fwAA/38AAAAAAAAJAAAABAAAANE+VyQeAAAAaAAAAAAAAAAAAAAAAAAAAAAAAAAAAAAAECcAABAnAAAAAAAAAAAAAAAAAAAAAAAAAAAAAAAAAAAAAAAAAAAAABQAAAAAAAAAwMD/AAAAAABkAAAAMgAAAAAAAABkAAAAAAAAAH9/fwAKAAAAIgAAABgAAAAAAAAAAAAAAAAAAAAAAAAAAAAAAAAAAAAkAAAAJAAAAAAAAAAHAAAAAAAAAAAAAAAAAAAAAAAAAAAAAAAAAAAAf39/ACUAAABYAAAAAAAAAAAAAAAAAAAAAAAAAAAAAAAAAAAAAAAAAAAAAAAAAAAAAAAAAAAAAAA/AAAAAAAAAKCGAQAAAAAAAAAAAAAAAAAMAAAAAQAAAAAAAAAAAAAAAAAAAB8AAABUAAAAIis1AP///wEAAAAAAAAAAAAAAAAAAAAAAAAAAAAAAAAAAAAAAAAAAOfm5gN/f38A5+bmA8zMzADAwP8Af39/AAAAAAAAAAAAAAAAAAAAAAAAAAAAIQAAABgAAAAUAAAAQhQAAEkBAAC9NgAARAUAABAAAAAmAAAACAAAAP//////////"/>
               </a:ext>
             </a:extLst>
           </p:cNvSpPr>
@@ -11293,8 +11255,8 @@
               </a:lnSpc>
               <a:defRPr lang="pt-br" cap="none">
                 <a:latin typeface="Arial" pitchFamily="2" charset="0"/>
-                <a:ea typeface="DejaVu Sans" pitchFamily="0" charset="0"/>
-                <a:cs typeface="DejaVu Sans" pitchFamily="0" charset="0"/>
+                <a:ea typeface="DejaVu Sans" charset="0"/>
+                <a:cs typeface="DejaVu Sans" charset="0"/>
               </a:defRPr>
             </a:pPr>
             <a:r>
@@ -11302,9 +11264,9 @@
                 <a:solidFill>
                   <a:srgbClr val="FFFFFF"/>
                 </a:solidFill>
-                <a:latin typeface="Montserrat" pitchFamily="0" charset="0"/>
-                <a:ea typeface="DejaVu Sans" pitchFamily="0" charset="0"/>
-                <a:cs typeface="DejaVu Sans" pitchFamily="0" charset="0"/>
+                <a:latin typeface="Montserrat" charset="0"/>
+                <a:ea typeface="DejaVu Sans" charset="0"/>
+                <a:cs typeface="DejaVu Sans" charset="0"/>
               </a:rPr>
               <a:t>Polimorfismo</a:t>
             </a:r>
@@ -11318,7 +11280,7 @@
           <p:cNvSpPr>
             <a:extLst>
               <a:ext uri="smNativeData">
-                <pr:smNativeData xmlns:pr="smNativeData" xmlns="smNativeData" val="SMDATA_15_q5OGZBMAAAAlAAAAZAAAAE0AAAAAjgAAAEcAAACOAAAARwAAAAAAAAAAAAAAAAAAAAEAAABQAAAAAAAAAAAA4D8AAAAAAADgPwAAAAAAAOA/AAAAAAAA4D8AAAAAAADgPwAAAAAAAOA/AAAAAAAA4D8AAAAAAADgPwAAAAAAAOA/AAAAAAAA4D8CAAAAjAAAAAAAAAAAAAAARHLEDP///wgAAAAAAAAAAAAAAAAAAAAAAAAAAAAAAAAAAAAAZAAAAAEAAABAAAAAAAAAAAAAAAAAAAAAAAAAAAAAAAAAAAAAAAAAAAAAAAAAAAAAAAAAAAAAAAAAAAAAAAAAAAAAAAAAAAAAAAAAAAAAAAAAAAAAAAAAAAAAAAAAAAAAFAAAADwAAAAAAAAAAAAAAAAAAAkUAAAAAQAAABQAAAAUAAAAFAAAAAEAAAAAAAAAZAAAAGQAAAAAAAAAZAAAAGQAAAAVAAAAYAAAAAAAAAAAAAAADwAAACADAAAAAAAAAAAAAAEAAACgMgAAVgcAAKr4//8BAAAAf39/AAEAAABkAAAAAAAAABQAAABAHwAAAAAAACYAAAAAAAAAwOD//wAAAAAmAAAAZAAAABYAAABMAAAAAAAAAAAAAAAEAAAAAAAAAAEAAADn5uYKAAAAACgAAAAoAAAAZAAAAGQAAAAAAAAAzMzMAAAAAABQAAAAUAAAAGQAAABkAAAAAAAAABcAAAAUAAAAAAAAAAAAAAD/fwAA/38AAAAAAAAJAAAABAAAAF8AYAAeAAAAaAAAAAAAAAAAAAAAAAAAAAAAAAAAAAAAECcAABAnAAAAAAAAAAAAAAAAAAAAAAAAAAAAAAAAAAAAAAAAAAAAABQAAAAAAAAAwMD/AAAAAABkAAAAMgAAAAAAAABkAAAAAAAAAH9/fwAKAAAAIgAAABgAAAAAAAAAAAAAAAAAAAAAAAAAAAAAAAAAAAAkAAAAJAAAAAAAAAAHAAAAAAAAAAAAAAAAAAAAAAAAAAAAAAAAAAAAf39/ACUAAABYAAAAAAAAAAAAAAAAAAAAAAAAAAAAAAAAAAAAAAAAAAAAAAAAAAAAAAAAAAAAAAA/AAAAAAAAAKCGAQAAAAAAAAAAAAAAAAAMAAAAAQAAAAAAAAAAAAAAAAAAAB8AAABUAAAARHLEBf///wEAAAAAAAAAAAAAAAAAAAAAAAAAAAAAAAAAAAAAAAAAAAAAAAJ/f38A5+bmA8zMzADAwP8Af39/AAAAAAAAAAAAAAAAAAAAAAAAAAAAIQAAABgAAAAUAAAAYwUAAOQGAAD0IQAAYCsAABAgAAAmAAAACAAAAP//////////"/>
+                <pr:smNativeData xmlns="smNativeData" xmlns:pr="smNativeData" xmlns:p15="http://schemas.microsoft.com/office/powerpoint/2012/main" xmlns:p14="http://schemas.microsoft.com/office/powerpoint/2010/main" xmlns:mc="http://schemas.openxmlformats.org/markup-compatibility/2006" val="SMDATA_15_q5OGZBMAAAAlAAAAZAAAAE0AAAAAjgAAAEcAAACOAAAARwAAAAAAAAAAAAAAAAAAAAEAAABQAAAAAAAAAAAA4D8AAAAAAADgPwAAAAAAAOA/AAAAAAAA4D8AAAAAAADgPwAAAAAAAOA/AAAAAAAA4D8AAAAAAADgPwAAAAAAAOA/AAAAAAAA4D8CAAAAjAAAAAAAAAAAAAAARHLEDP///wgAAAAAAAAAAAAAAAAAAAAAAAAAAAAAAAAAAAAAZAAAAAEAAABAAAAAAAAAAAAAAAAAAAAAAAAAAAAAAAAAAAAAAAAAAAAAAAAAAAAAAAAAAAAAAAAAAAAAAAAAAAAAAAAAAAAAAAAAAAAAAAAAAAAAAAAAAAAAAAAAAAAAFAAAADwAAAAAAAAAAAAAAAAAAAkUAAAAAQAAABQAAAAUAAAAFAAAAAEAAAAAAAAAZAAAAGQAAAAAAAAAZAAAAGQAAAAVAAAAYAAAAAAAAAAAAAAADwAAACADAAAAAAAAAAAAAAEAAACgMgAAVgcAAKr4//8BAAAAf39/AAEAAABkAAAAAAAAABQAAABAHwAAAAAAACYAAAAAAAAAwOD//wAAAAAmAAAAZAAAABYAAABMAAAAAAAAAAAAAAAEAAAAAAAAAAEAAADn5uYKAAAAACgAAAAoAAAAZAAAAGQAAAAAAAAAzMzMAAAAAABQAAAAUAAAAGQAAABkAAAAAAAAABcAAAAUAAAAAAAAAAAAAAD/fwAA/38AAAAAAAAJAAAABAAAAF8AYAAeAAAAaAAAAAAAAAAAAAAAAAAAAAAAAAAAAAAAECcAABAnAAAAAAAAAAAAAAAAAAAAAAAAAAAAAAAAAAAAAAAAAAAAABQAAAAAAAAAwMD/AAAAAABkAAAAMgAAAAAAAABkAAAAAAAAAH9/fwAKAAAAIgAAABgAAAAAAAAAAAAAAAAAAAAAAAAAAAAAAAAAAAAkAAAAJAAAAAAAAAAHAAAAAAAAAAAAAAAAAAAAAAAAAAAAAAAAAAAAf39/ACUAAABYAAAAAAAAAAAAAAAAAAAAAAAAAAAAAAAAAAAAAAAAAAAAAAAAAAAAAAAAAAAAAAA/AAAAAAAAAKCGAQAAAAAAAAAAAAAAAAAMAAAAAQAAAAAAAAAAAAAAAAAAAB8AAABUAAAARHLEBf///wEAAAAAAAAAAAAAAAAAAAAAAAAAAAAAAAAAAAAAAAAAAAAAAAJ/f38A5+bmA8zMzADAwP8Af39/AAAAAAAAAAAAAAAAAAAAAAAAAAAAIQAAABgAAAAUAAAAYwUAAOQGAAD0IQAAYCsAABAgAAAmAAAACAAAAP//////////"/>
               </a:ext>
             </a:extLst>
           </p:cNvSpPr>
@@ -11348,8 +11310,8 @@
               </a:lnSpc>
               <a:defRPr lang="pt-br" cap="none">
                 <a:latin typeface="Arial" pitchFamily="2" charset="0"/>
-                <a:ea typeface="DejaVu Sans" pitchFamily="0" charset="0"/>
-                <a:cs typeface="DejaVu Sans" pitchFamily="0" charset="0"/>
+                <a:ea typeface="DejaVu Sans" charset="0"/>
+                <a:cs typeface="DejaVu Sans" charset="0"/>
               </a:defRPr>
             </a:pPr>
             <a:r>
@@ -11357,9 +11319,9 @@
                 <a:solidFill>
                   <a:srgbClr val="FFFFFF"/>
                 </a:solidFill>
-                <a:latin typeface="Source Serif Pro" pitchFamily="0" charset="0"/>
-                <a:ea typeface="DejaVu Sans" pitchFamily="0" charset="0"/>
-                <a:cs typeface="DejaVu Sans" pitchFamily="0" charset="0"/>
+                <a:latin typeface="Source Serif Pro" charset="0"/>
+                <a:ea typeface="DejaVu Sans" charset="0"/>
+                <a:cs typeface="DejaVu Sans" charset="0"/>
               </a:rPr>
               <a:t>O Polimorfismo é um mecanismo por meio do qual selecionamos as funcionalidades utilizadas de forma dinâmica por um programa no decorrer de sua execução.</a:t>
             </a:r>
@@ -11372,8 +11334,8 @@
               </a:lnSpc>
               <a:defRPr lang="pt-br" cap="none">
                 <a:latin typeface="Arial" pitchFamily="2" charset="0"/>
-                <a:ea typeface="DejaVu Sans" pitchFamily="0" charset="0"/>
-                <a:cs typeface="DejaVu Sans" pitchFamily="0" charset="0"/>
+                <a:ea typeface="DejaVu Sans" charset="0"/>
+                <a:cs typeface="DejaVu Sans" charset="0"/>
               </a:defRPr>
             </a:pPr>
             <a:r>
@@ -11381,9 +11343,9 @@
                 <a:solidFill>
                   <a:srgbClr val="FFFFFF"/>
                 </a:solidFill>
-                <a:latin typeface="Source Serif Pro" pitchFamily="0" charset="0"/>
-                <a:ea typeface="DejaVu Sans" pitchFamily="0" charset="0"/>
-                <a:cs typeface="DejaVu Sans" pitchFamily="0" charset="0"/>
+                <a:latin typeface="Source Serif Pro" charset="0"/>
+                <a:ea typeface="DejaVu Sans" charset="0"/>
+                <a:cs typeface="DejaVu Sans" charset="0"/>
               </a:rPr>
               <a:t>Com o Polimorfismo, os mesmos atributos e objetos podem ser utilizados em objetos distintos, porém, com implementações lógicas diferentes.</a:t>
             </a:r>
@@ -11396,8 +11358,8 @@
               </a:lnSpc>
               <a:defRPr lang="pt-br" cap="none">
                 <a:latin typeface="Arial" pitchFamily="2" charset="0"/>
-                <a:ea typeface="DejaVu Sans" pitchFamily="0" charset="0"/>
-                <a:cs typeface="DejaVu Sans" pitchFamily="0" charset="0"/>
+                <a:ea typeface="DejaVu Sans" charset="0"/>
+                <a:cs typeface="DejaVu Sans" charset="0"/>
               </a:defRPr>
             </a:pPr>
             <a:r>
@@ -11405,9 +11367,9 @@
                 <a:solidFill>
                   <a:srgbClr val="FFFFFF"/>
                 </a:solidFill>
-                <a:latin typeface="Source Serif Pro" pitchFamily="0" charset="0"/>
-                <a:ea typeface="DejaVu Sans" pitchFamily="0" charset="0"/>
-                <a:cs typeface="DejaVu Sans" pitchFamily="0" charset="0"/>
+                <a:latin typeface="Source Serif Pro" charset="0"/>
+                <a:ea typeface="DejaVu Sans" charset="0"/>
+                <a:cs typeface="DejaVu Sans" charset="0"/>
               </a:rPr>
               <a:t>Por exemplo: podemos assumir que uma bola de futebol e uma camisa da seleção brasileira são artigos esportivos, mais que o cálculo deles em uma venda é calculado de formas diferentes.</a:t>
             </a:r>
@@ -11420,8 +11382,8 @@
               </a:lnSpc>
               <a:defRPr lang="pt-br" cap="none">
                 <a:latin typeface="Arial" pitchFamily="2" charset="0"/>
-                <a:ea typeface="DejaVu Sans" pitchFamily="0" charset="0"/>
-                <a:cs typeface="DejaVu Sans" pitchFamily="0" charset="0"/>
+                <a:ea typeface="DejaVu Sans" charset="0"/>
+                <a:cs typeface="DejaVu Sans" charset="0"/>
               </a:defRPr>
             </a:pPr>
             <a:r>
@@ -11429,9 +11391,9 @@
                 <a:solidFill>
                   <a:srgbClr val="FFFFFF"/>
                 </a:solidFill>
-                <a:latin typeface="Source Serif Pro" pitchFamily="0" charset="0"/>
-                <a:ea typeface="DejaVu Sans" pitchFamily="0" charset="0"/>
-                <a:cs typeface="DejaVu Sans" pitchFamily="0" charset="0"/>
+                <a:latin typeface="Source Serif Pro" charset="0"/>
+                <a:ea typeface="DejaVu Sans" charset="0"/>
+                <a:cs typeface="DejaVu Sans" charset="0"/>
               </a:rPr>
               <a:t>Outro exemplo: podemos dizer que uma classe chamada Vendedor e outra chamada Diretor podem ter como base uma classe chamada Pessoa, com um método chamado Calcular Vendas. Se este método (definido na classe base) se comportar de maneira diferente para as chamadas feitas a partir de uma instância de Vendedor e para as chamadas feitas a partir de uma instância de Diretor, ele será considerado um método polimórfico, ou seja, um método de várias formas.</a:t>
             </a:r>
@@ -11444,8 +11406,8 @@
               </a:lnSpc>
               <a:defRPr lang="pt-br" cap="none">
                 <a:latin typeface="Arial" pitchFamily="2" charset="0"/>
-                <a:ea typeface="DejaVu Sans" pitchFamily="0" charset="0"/>
-                <a:cs typeface="DejaVu Sans" pitchFamily="0" charset="0"/>
+                <a:ea typeface="DejaVu Sans" charset="0"/>
+                <a:cs typeface="DejaVu Sans" charset="0"/>
               </a:defRPr>
             </a:pPr>
             <a:endParaRPr lang="pt-br" sz="1600" cap="none"/>
@@ -11458,7 +11420,7 @@
           <p:cNvPicPr>
             <a:extLst>
               <a:ext uri="smNativeData">
-                <pr:smNativeData xmlns:pr="smNativeData" xmlns="smNativeData" val="SMDATA_17_q5OGZBMAAAAlAAAAEQAAAA0AAAAAkAAAAEgAAACQAAAASAAAAAAAAAAAAAAAAAAAAAEAAABQAAAAAAAAAAAA4D8AAAAAAADgPwAAAAAAAOA/AAAAAAAA4D8AAAAAAADgPwAAAAAAAOA/AAAAAAAA4D8AAAAAAADgPwAAAAAAAOA/AAAAAAAA4D8CAAAAjAAAAAAAAAAAAAAARHLEDP///wgAAAAAAAAAAAAAAAAAAAAAAAAAAAAAAAAAAAAAZAAAAAEAAABAAAAAAAAAAAAAAAAAAAAAAAAAAAAAAAAAAAAAAAAAAAAAAAAAAAAAAAAAAAAAAAAAAAAAAAAAAAAAAAAAAAAAAAAAAAAAAAAAAAAAAAAAAAAAAAAAAAAAFAAAADwAAAAAAAAAAAAAAAAAAAkUAAAAAQAAABQAAAAUAAAAFAAAAAEAAAAAAAAAZAAAAGQAAAAAAAAAZAAAAGQAAAAVAAAAYAAAAAAAAAAAAAAADwAAACADAAAAAAAAAAAAAAEAAACgMgAAVgcAAKr4//8BAAAAf39/AAEAAABkAAAAAAAAABQAAABAHwAAAAAAACYAAAAAAAAAwOD//wAAAAAmAAAAZAAAABYAAABMAAAAAAAAAAAAAAAEAAAAAAAAAAEAAADn5uYKAAAAACgAAAAoAAAAZAAAAGQAAAAAAAAAzMzMAAAAAABQAAAAUAAAAGQAAABkAAAAAAAAAAcAAAA4AAAAAAAAAAAAAAAAAAAA////AAAAAAAAAAAAAAAAAAAAAAAAAAAAAAAAAAAAAABkAAAAZAAAAAAAAAAjAAAABAAAAGQAAAAXAAAAFAAAAAAAAAAAAAAA/38AAP9/AAAAAAAACQAAAAQAAAABAAAAHgAAAGgAAAAAAAAAAAAAAAAAAAAAAAAAAAAAABAnAAAQJwAAAAAAAAAAAAAAAAAAAAAAAAAAAAAAAAAAAAAAAAAAAAAUAAAAAAAAAMDA/wAAAAAAZAAAADIAAAAAAAAAZAAAAAAAAAB/f38ACgAAACIAAAAYAAAAAAAAAAAAAAAAAAAAAAAAAAAAAAAAAAAAJAAAACQAAAAAAAAABwAAAAAAAAAAAAAAAAAAAAAAAAAAAAAAAAAAAH9/fwAlAAAAWAAAAAAAAAAAAAAAAAAAAAAAAAAAAAAAAAAAAAAAAAAAAAAAAAAAAAAAAAAAAAAAPwAAAAAAAACghgEAAAAAAAAAAAAAAAAADAAAAAEAAAAAAAAAAAAAAAAAAAAfAAAAVAAAAERyxAX///8BAAAAAAAAAAAAAAAAAAAAAAAAAAAAAAAAAAAAAAAAAAAAAAACf39/AOfm5gPMzMwAwMD/AH9/fwAAAAAAAAAAAAAAAAD///8AAAAAACEAAAAYAAAAFAAAAFgnAACUCgAAPEQAAJsfAAAQAAAAJgAAAAgAAAD//////////w=="/>
+                <pr:smNativeData xmlns="smNativeData" xmlns:pr="smNativeData" xmlns:p15="http://schemas.microsoft.com/office/powerpoint/2012/main" xmlns:p14="http://schemas.microsoft.com/office/powerpoint/2010/main" xmlns:mc="http://schemas.openxmlformats.org/markup-compatibility/2006" val="SMDATA_17_q5OGZBMAAAAlAAAAEQAAAA0AAAAAkAAAAEgAAACQAAAASAAAAAAAAAAAAAAAAAAAAAEAAABQAAAAAAAAAAAA4D8AAAAAAADgPwAAAAAAAOA/AAAAAAAA4D8AAAAAAADgPwAAAAAAAOA/AAAAAAAA4D8AAAAAAADgPwAAAAAAAOA/AAAAAAAA4D8CAAAAjAAAAAAAAAAAAAAARHLEDP///wgAAAAAAAAAAAAAAAAAAAAAAAAAAAAAAAAAAAAAZAAAAAEAAABAAAAAAAAAAAAAAAAAAAAAAAAAAAAAAAAAAAAAAAAAAAAAAAAAAAAAAAAAAAAAAAAAAAAAAAAAAAAAAAAAAAAAAAAAAAAAAAAAAAAAAAAAAAAAAAAAAAAAFAAAADwAAAAAAAAAAAAAAAAAAAkUAAAAAQAAABQAAAAUAAAAFAAAAAEAAAAAAAAAZAAAAGQAAAAAAAAAZAAAAGQAAAAVAAAAYAAAAAAAAAAAAAAADwAAACADAAAAAAAAAAAAAAEAAACgMgAAVgcAAKr4//8BAAAAf39/AAEAAABkAAAAAAAAABQAAABAHwAAAAAAACYAAAAAAAAAwOD//wAAAAAmAAAAZAAAABYAAABMAAAAAAAAAAAAAAAEAAAAAAAAAAEAAADn5uYKAAAAACgAAAAoAAAAZAAAAGQAAAAAAAAAzMzMAAAAAABQAAAAUAAAAGQAAABkAAAAAAAAAAcAAAA4AAAAAAAAAAAAAAAAAAAA////AAAAAAAAAAAAAAAAAAAAAAAAAAAAAAAAAAAAAABkAAAAZAAAAAAAAAAjAAAABAAAAGQAAAAXAAAAFAAAAAAAAAAAAAAA/38AAP9/AAAAAAAACQAAAAQAAAABAAAAHgAAAGgAAAAAAAAAAAAAAAAAAAAAAAAAAAAAABAnAAAQJwAAAAAAAAAAAAAAAAAAAAAAAAAAAAAAAAAAAAAAAAAAAAAUAAAAAAAAAMDA/wAAAAAAZAAAADIAAAAAAAAAZAAAAAAAAAB/f38ACgAAACIAAAAYAAAAAAAAAAAAAAAAAAAAAAAAAAAAAAAAAAAAJAAAACQAAAAAAAAABwAAAAAAAAAAAAAAAAAAAAAAAAAAAAAAAAAAAH9/fwAlAAAAWAAAAAAAAAAAAAAAAAAAAAAAAAAAAAAAAAAAAAAAAAAAAAAAAAAAAAAAAAAAAAAAPwAAAAAAAACghgEAAAAAAAAAAAAAAAAADAAAAAEAAAAAAAAAAAAAAAAAAAAfAAAAVAAAAERyxAX///8BAAAAAAAAAAAAAAAAAAAAAAAAAAAAAAAAAAAAAAAAAAAAAAACf39/AOfm5gPMzMwAwMD/AH9/fwAAAAAAAAAAAAAAAAD///8AAAAAACEAAAAYAAAAFAAAAFgnAACUCgAAPEQAAJsfAAAQAAAAJgAAAAgAAAD//////////w=="/>
               </a:ext>
             </a:extLst>
           </p:cNvPicPr>
@@ -11490,18 +11452,11 @@
   <p:clrMapOvr>
     <a:masterClrMapping/>
   </p:clrMapOvr>
-  <p:timing>
-    <p:tnLst>
-      <p:par>
-        <p:cTn id="1" dur="indefinite" restart="never" nodeType="tmRoot"/>
-      </p:par>
-    </p:tnLst>
-  </p:timing>
 </p:sld>
 </file>
 
 <file path=ppt/slides/slide12.xml><?xml version="1.0" encoding="utf-8"?>
-<p:sld xmlns:p="http://schemas.openxmlformats.org/presentationml/2006/main" xmlns:mc="http://schemas.openxmlformats.org/markup-compatibility/2006" xmlns:p14="http://schemas.microsoft.com/office/powerpoint/2010/main" xmlns:p15="http://schemas.microsoft.com/office/powerpoint/2012/main" xmlns:r="http://schemas.openxmlformats.org/officeDocument/2006/relationships" xmlns:a="http://schemas.openxmlformats.org/drawingml/2006/main" mc:Ignorable="p14">
+<p:sld xmlns:a="http://schemas.openxmlformats.org/drawingml/2006/main" xmlns:r="http://schemas.openxmlformats.org/officeDocument/2006/relationships" xmlns:p="http://schemas.openxmlformats.org/presentationml/2006/main">
   <p:cSld>
     <p:bg>
       <p:bgPr>
@@ -11531,7 +11486,7 @@
           <p:cNvSpPr>
             <a:extLst>
               <a:ext uri="smNativeData">
-                <pr:smNativeData xmlns:pr="smNativeData" xmlns="smNativeData" val="SMDATA_15_q5OGZBMAAAAlAAAAqgAAAA0AAAAAkAAAAEgAAACQAAAASAAAAAAAAAAAAAAAAAAAAAEAAABQAAAAda9fBcX/xz8AAAAAAADgPwAAAAAAAOA/AAAAAAAA4D8AAAAAAADgPwAAAAAAAOA/AAAAAAAA4D8AAAAAAADgPwAAAAAAAOA/AAAAAAAA4D8CAAAAjAAAAAEAAAAAAAAANEBQAP///wgAAAAAAAAAAAAAAAAAAAAAAAAAAAAAAAAAAAAAZAAAAAEAAABAAAAAAAAAAAAAAAAAAAAAAAAAAAAAAAAAAAAAAAAAAAAAAAAAAAAAAAAAAAAAAAAAAAAAAAAAAAAAAAAAAAAAAAAAAAAAAAAAAAAAAAAAAAAAAAAAAAAAFAAAADwAAAABAAAAAAAAAP///wgoAAAAAQAAABQAAAAUAAAAFAAAAAEAAAAAAAAAZAAAAGQAAAAAAAAAZAAAAGQAAAAVAAAAYAAAAAAAAAAAAAAADwAAACADAAAAAAAAAAAAAAEAAACgMgAAVgcAAKr4//8BAAAAf39/AAEAAABkAAAAAAAAABQAAABAHwAAAAAAACYAAAAAAAAAwOD//wAAAAAmAAAAZAAAABYAAABMAAAAAAAAAAAAAAAEAAAAAAAAAAEAAADn5uYKAAAAACgAAAAoAAAAZAAAAGQAAAAAAAAAzMzMAAAAAABQAAAAUAAAAGQAAABkAAAAAAAAABcAAAAUAAAAAAAAAAAAAAD/fwAA/38AAAAAAAAJAAAABAAAAEKAujAeAAAAaAAAAAAAAAAAAAAAAAAAAAAAAAAAAAAAECcAABAnAAAAAAAAAAAAAAAAAAAAAAAAAAAAAAAAAAAAAAAAAAAAABQAAAAAAAAAwMD/AAAAAABkAAAAMgAAAAAAAABkAAAAAAAAAH9/fwAKAAAAIgAAABgAAAAAAAAAAAAAAAAAAAAAAAAAAAAAAAAAAAAkAAAAJAAAAAAAAAAHAAAAAAAAAAAAAAAAAAAAAAAAAAAAAAAAAAAAf39/ACUAAABYAAAAAAAAAAAAAAAAAAAAAAAAAAAAAAAAAAAAAAAAAAAAAAAAAAAAAAAAAAAAAAA/AAAAAAAAAKCGAQAAAAAAAAAAAAAAAAAMAAAAAQAAAAAAAAAAAAAAAAAAAB8AAABUAAAANEBQAP///wEAAAAAAAAAAAAAAAAAAAAAAAAAAAAAAAAAAAAAAAAAAP///wF/f38A5+bmA8zMzADAwP8Af39/AAAAAAAAAAAAAAAAAAAAAAAAAAAAIQAAABgAAAAUAAAAAAAAAAAAAAD/SgAALyoAABAAAAAmAAAACAAAAP//////////"/>
+                <pr:smNativeData xmlns="smNativeData" xmlns:pr="smNativeData" xmlns:p15="http://schemas.microsoft.com/office/powerpoint/2012/main" xmlns:p14="http://schemas.microsoft.com/office/powerpoint/2010/main" xmlns:mc="http://schemas.openxmlformats.org/markup-compatibility/2006" val="SMDATA_15_q5OGZBMAAAAlAAAAqgAAAA0AAAAAkAAAAEgAAACQAAAASAAAAAAAAAAAAAAAAAAAAAEAAABQAAAAda9fBcX/xz8AAAAAAADgPwAAAAAAAOA/AAAAAAAA4D8AAAAAAADgPwAAAAAAAOA/AAAAAAAA4D8AAAAAAADgPwAAAAAAAOA/AAAAAAAA4D8CAAAAjAAAAAEAAAAAAAAANEBQAP///wgAAAAAAAAAAAAAAAAAAAAAAAAAAAAAAAAAAAAAZAAAAAEAAABAAAAAAAAAAAAAAAAAAAAAAAAAAAAAAAAAAAAAAAAAAAAAAAAAAAAAAAAAAAAAAAAAAAAAAAAAAAAAAAAAAAAAAAAAAAAAAAAAAAAAAAAAAAAAAAAAAAAAFAAAADwAAAABAAAAAAAAAP///wgoAAAAAQAAABQAAAAUAAAAFAAAAAEAAAAAAAAAZAAAAGQAAAAAAAAAZAAAAGQAAAAVAAAAYAAAAAAAAAAAAAAADwAAACADAAAAAAAAAAAAAAEAAACgMgAAVgcAAKr4//8BAAAAf39/AAEAAABkAAAAAAAAABQAAABAHwAAAAAAACYAAAAAAAAAwOD//wAAAAAmAAAAZAAAABYAAABMAAAAAAAAAAAAAAAEAAAAAAAAAAEAAADn5uYKAAAAACgAAAAoAAAAZAAAAGQAAAAAAAAAzMzMAAAAAABQAAAAUAAAAGQAAABkAAAAAAAAABcAAAAUAAAAAAAAAAAAAAD/fwAA/38AAAAAAAAJAAAABAAAAEKAujAeAAAAaAAAAAAAAAAAAAAAAAAAAAAAAAAAAAAAECcAABAnAAAAAAAAAAAAAAAAAAAAAAAAAAAAAAAAAAAAAAAAAAAAABQAAAAAAAAAwMD/AAAAAABkAAAAMgAAAAAAAABkAAAAAAAAAH9/fwAKAAAAIgAAABgAAAAAAAAAAAAAAAAAAAAAAAAAAAAAAAAAAAAkAAAAJAAAAAAAAAAHAAAAAAAAAAAAAAAAAAAAAAAAAAAAAAAAAAAAf39/ACUAAABYAAAAAAAAAAAAAAAAAAAAAAAAAAAAAAAAAAAAAAAAAAAAAAAAAAAAAAAAAAAAAAA/AAAAAAAAAKCGAQAAAAAAAAAAAAAAAAAMAAAAAQAAAAAAAAAAAAAAAAAAAB8AAABUAAAANEBQAP///wEAAAAAAAAAAAAAAAAAAAAAAAAAAAAAAAAAAAAAAAAAAP///wF/f38A5+bmA8zMzADAwP8Af39/AAAAAAAAAAAAAAAAAAAAAAAAAAAAIQAAABgAAAAUAAAAAAAAAAAAAAD/SgAALyoAABAAAAAmAAAACAAAAP//////////"/>
               </a:ext>
             </a:extLst>
           </p:cNvSpPr>
@@ -11567,7 +11522,7 @@
           <p:cNvSpPr>
             <a:extLst>
               <a:ext uri="smNativeData">
-                <pr:smNativeData xmlns:pr="smNativeData" xmlns="smNativeData" val="SMDATA_15_q5OGZBMAAAAlAAAAZAAAAE0AAAAAjgAAAEcAAACOAAAARwAAAAAAAAAAAAAAAAAAAAEAAABQAAAAAAAAAAAA4D8AAAAAAADgPwAAAAAAAOA/AAAAAAAA4D8AAAAAAADgPwAAAAAAAOA/AAAAAAAA4D8AAAAAAADgPwAAAAAAAOA/AAAAAAAA4D8CAAAAjAAAAAAAAAAAAAAARHLEDP///wgAAAAAAAAAAAAAAAAAAAAAAAAAAAAAAAAAAAAAZAAAAAEAAABAAAAAAAAAAAAAAAAAAAAAAAAAAAAAAAAAAAAAAAAAAAAAAAAAAAAAAAAAAAAAAAAAAAAAAAAAAAAAAAAAAAAAAAAAAAAAAAAAAAAAAAAAAAAAAAAAAAAAFAAAADwAAAAAAAAAAAAAAAAAAAkUAAAAAQAAABQAAAAUAAAAFAAAAAEAAAAAAAAAZAAAAGQAAAAAAAAAZAAAAGQAAAAVAAAAYAAAAAAAAAAAAAAADwAAACADAAAAAAAAAAAAAAEAAACgMgAAVgcAAKr4//8BAAAAf39/AAEAAABkAAAAAAAAABQAAABAHwAAAAAAACYAAAAAAAAAwOD//wAAAAAmAAAAZAAAABYAAABMAAAAAAAAAAAAAAAEAAAAAAAAAAEAAADn5uYKAAAAACgAAAAoAAAAZAAAAGQAAAAAAAAAzMzMAAAAAABQAAAAUAAAAGQAAABkAAAAAAAAABcAAAAUAAAAAAAAAAAAAAD/fwAA/38AAAAAAAAJAAAABAAAAE6pUjYeAAAAaAAAAAAAAAAAAAAAAAAAAAAAAAAAAAAAECcAABAnAAAAAAAAAAAAAAAAAAAAAAAAAAAAAAAAAAAAAAAAAAAAABQAAAAAAAAAwMD/AAAAAABkAAAAMgAAAAAAAABkAAAAAAAAAH9/fwAKAAAAIgAAABgAAAAAAAAAAAAAAAAAAAAAAAAAAAAAAAAAAAAkAAAAJAAAAAAAAAAHAAAAAAAAAAAAAAAAAAAAAAAAAAAAAAAAAAAAf39/ACUAAABYAAAAAAAAAAAAAAAAAAAAAAAAAAAAAAAAAAAAAAAAAAAAAAAAAAAAAAAAAAAAAAA/AAAAAAAAAKCGAQAAAAAAAAAAAAAAAAAMAAAAAQAAAAAAAAAAAAAAAAAAAB8AAABUAAAARHLEBf///wEAAAAAAAAAAAAAAAAAAAAAAAAAAAAAAAAAAAAAAAAAAAAAAAJ/f38A5+bmA8zMzADAwP8Af39/AAAAAAAAAAAAAAAAAAAAAAAAAAAAIQAAABgAAAAUAAAA2AEAADYJAAAfKAAAoiYAABAgAAAmAAAACAAAAP//////////"/>
+                <pr:smNativeData xmlns="smNativeData" xmlns:pr="smNativeData" xmlns:p15="http://schemas.microsoft.com/office/powerpoint/2012/main" xmlns:p14="http://schemas.microsoft.com/office/powerpoint/2010/main" xmlns:mc="http://schemas.openxmlformats.org/markup-compatibility/2006" val="SMDATA_15_q5OGZBMAAAAlAAAAZAAAAE0AAAAAjgAAAEcAAACOAAAARwAAAAAAAAAAAAAAAAAAAAEAAABQAAAAAAAAAAAA4D8AAAAAAADgPwAAAAAAAOA/AAAAAAAA4D8AAAAAAADgPwAAAAAAAOA/AAAAAAAA4D8AAAAAAADgPwAAAAAAAOA/AAAAAAAA4D8CAAAAjAAAAAAAAAAAAAAARHLEDP///wgAAAAAAAAAAAAAAAAAAAAAAAAAAAAAAAAAAAAAZAAAAAEAAABAAAAAAAAAAAAAAAAAAAAAAAAAAAAAAAAAAAAAAAAAAAAAAAAAAAAAAAAAAAAAAAAAAAAAAAAAAAAAAAAAAAAAAAAAAAAAAAAAAAAAAAAAAAAAAAAAAAAAFAAAADwAAAAAAAAAAAAAAAAAAAkUAAAAAQAAABQAAAAUAAAAFAAAAAEAAAAAAAAAZAAAAGQAAAAAAAAAZAAAAGQAAAAVAAAAYAAAAAAAAAAAAAAADwAAACADAAAAAAAAAAAAAAEAAACgMgAAVgcAAKr4//8BAAAAf39/AAEAAABkAAAAAAAAABQAAABAHwAAAAAAACYAAAAAAAAAwOD//wAAAAAmAAAAZAAAABYAAABMAAAAAAAAAAAAAAAEAAAAAAAAAAEAAADn5uYKAAAAACgAAAAoAAAAZAAAAGQAAAAAAAAAzMzMAAAAAABQAAAAUAAAAGQAAABkAAAAAAAAABcAAAAUAAAAAAAAAAAAAAD/fwAA/38AAAAAAAAJAAAABAAAAE6pUjYeAAAAaAAAAAAAAAAAAAAAAAAAAAAAAAAAAAAAECcAABAnAAAAAAAAAAAAAAAAAAAAAAAAAAAAAAAAAAAAAAAAAAAAABQAAAAAAAAAwMD/AAAAAABkAAAAMgAAAAAAAABkAAAAAAAAAH9/fwAKAAAAIgAAABgAAAAAAAAAAAAAAAAAAAAAAAAAAAAAAAAAAAAkAAAAJAAAAAAAAAAHAAAAAAAAAAAAAAAAAAAAAAAAAAAAAAAAAAAAf39/ACUAAABYAAAAAAAAAAAAAAAAAAAAAAAAAAAAAAAAAAAAAAAAAAAAAAAAAAAAAAAAAAAAAAA/AAAAAAAAAKCGAQAAAAAAAAAAAAAAAAAMAAAAAQAAAAAAAAAAAAAAAAAAAB8AAABUAAAARHLEBf///wEAAAAAAAAAAAAAAAAAAAAAAAAAAAAAAAAAAAAAAAAAAAAAAAJ/f38A5+bmA8zMzADAwP8Af39/AAAAAAAAAAAAAAAAAAAAAAAAAAAAIQAAABgAAAAUAAAA2AEAADYJAAAfKAAAoiYAABAgAAAmAAAACAAAAP//////////"/>
               </a:ext>
             </a:extLst>
           </p:cNvSpPr>
@@ -11597,8 +11552,8 @@
               </a:lnSpc>
               <a:defRPr lang="pt-br" cap="none">
                 <a:latin typeface="Arial" pitchFamily="2" charset="0"/>
-                <a:ea typeface="DejaVu Sans" pitchFamily="0" charset="0"/>
-                <a:cs typeface="DejaVu Sans" pitchFamily="0" charset="0"/>
+                <a:ea typeface="DejaVu Sans" charset="0"/>
+                <a:cs typeface="DejaVu Sans" charset="0"/>
               </a:defRPr>
             </a:pPr>
             <a:r>
@@ -11606,9 +11561,9 @@
                 <a:solidFill>
                   <a:srgbClr val="D1D5DB"/>
                 </a:solidFill>
-                <a:latin typeface="Söhne" pitchFamily="0" charset="0"/>
-                <a:ea typeface="DejaVu Sans" pitchFamily="0" charset="0"/>
-                <a:cs typeface="DejaVu Sans" pitchFamily="0" charset="0"/>
+                <a:latin typeface="Söhne" charset="0"/>
+                <a:ea typeface="DejaVu Sans" charset="0"/>
+                <a:cs typeface="DejaVu Sans" charset="0"/>
               </a:rPr>
               <a:t>O polimorfismo é um conceito amplo na programação orientada a objetos que envolve a capacidade de objetos de diferentes classes responderem de maneira diferente a uma mesma chamada de método. O polimorfismo pode ser alcançado por meio de duas técnicas: sobrecarga (overloading) e sobreposição (overriding).</a:t>
             </a:r>
@@ -11622,7 +11577,7 @@
           <p:cNvPicPr>
             <a:extLst>
               <a:ext uri="smNativeData">
-                <pr:smNativeData xmlns:pr="smNativeData" xmlns="smNativeData" val="SMDATA_17_q5OGZBMAAAAlAAAAEQAAAA0AAAAAkAAAAEgAAACQAAAASAAAAAAAAAAAAAAAAAAAAAEAAABQAAAAAAAAAAAA4D8AAAAAAADgPwAAAAAAAOA/AAAAAAAA4D8AAAAAAADgPwAAAAAAAOA/AAAAAAAA4D8AAAAAAADgPwAAAAAAAOA/AAAAAAAA4D8CAAAAjAAAAAAAAAAAAAAARHLEDP///wgAAAAAAAAAAAAAAAAAAAAAAAAAAAAAAAAAAAAAZAAAAAEAAABAAAAAAAAAAAAAAAAAAAAAAAAAAAAAAAAAAAAAAAAAAAAAAAAAAAAAAAAAAAAAAAAAAAAAAAAAAAAAAAAAAAAAAAAAAAAAAAAAAAAAAAAAAAAAAAAAAAAAFAAAADwAAAAAAAAAAAAAAAAAAAkUAAAAAQAAABQAAAAUAAAAFAAAAAEAAAAAAAAAZAAAAGQAAAAAAAAAZAAAAGQAAAAVAAAAYAAAAAAAAAAAAAAADwAAACADAAAAAAAAAAAAAAEAAACgMgAAVgcAAKr4//8BAAAAf39/AAEAAABkAAAAAAAAABQAAABAHwAAAAAAACYAAAAAAAAAwOD//wAAAAAmAAAAZAAAABYAAABMAAAAAAAAAAAAAAAEAAAAAAAAAAEAAADn5uYKAAAAACgAAAAoAAAAZAAAAGQAAAAAAAAAzMzMAAAAAABQAAAAUAAAAGQAAABkAAAAAAAAAAcAAAA4AAAAAAAAAAAAAAAAAAAA////AAAAAAAAAAAAAAAAAAAAAAAAAAAAAAAAAAAAAABkAAAAZAAAAAAAAAAjAAAABAAAAGQAAAAXAAAAFAAAAAAAAAAAAAAA/38AAP9/AAAAAAAACQAAAAQAAAAJAAAAHgAAAGgAAAAAAAAAAAAAAAAAAAAAAAAAAAAAABAnAAAQJwAAAAAAAAAAAAAAAAAAAAAAAAAAAAAAAAAAAAAAAAAAAAAUAAAAAAAAAMDA/wAAAAAAZAAAADIAAAAAAAAAZAAAAAAAAAB/f38ACgAAACIAAAAYAAAAAAAAAAAAAAAAAAAAAAAAAAAAAAAAAAAAJAAAACQAAAAAAAAABwAAAAAAAAAAAAAAAAAAAAAAAAAAAAAAAAAAAH9/fwAlAAAAWAAAAAAAAAAAAAAAAAAAAAAAAAAAAAAAAAAAAAAAAAAAAAAAAAAAAAAAAAAAAAAAPwAAAAAAAACghgEAAAAAAAAAAAAAAAAADAAAAAEAAAAAAAAAAAAAAAAAAAAfAAAAVAAAAERyxAX///8BAAAAAAAAAAAAAAAAAAAAAAAAAAAAAAAAAAAAAAAAAAAAAAACf39/AOfm5gPMzMwAwMD/AH9/fwAAAAAAAAAAAAAAAAD///8AAAAAACEAAAAYAAAAFAAAACAoAACJCwAAHkoAAKceAAAQAAAAJgAAAAgAAAD//////////w=="/>
+                <pr:smNativeData xmlns="smNativeData" xmlns:pr="smNativeData" xmlns:p15="http://schemas.microsoft.com/office/powerpoint/2012/main" xmlns:p14="http://schemas.microsoft.com/office/powerpoint/2010/main" xmlns:mc="http://schemas.openxmlformats.org/markup-compatibility/2006" val="SMDATA_17_q5OGZBMAAAAlAAAAEQAAAA0AAAAAkAAAAEgAAACQAAAASAAAAAAAAAAAAAAAAAAAAAEAAABQAAAAAAAAAAAA4D8AAAAAAADgPwAAAAAAAOA/AAAAAAAA4D8AAAAAAADgPwAAAAAAAOA/AAAAAAAA4D8AAAAAAADgPwAAAAAAAOA/AAAAAAAA4D8CAAAAjAAAAAAAAAAAAAAARHLEDP///wgAAAAAAAAAAAAAAAAAAAAAAAAAAAAAAAAAAAAAZAAAAAEAAABAAAAAAAAAAAAAAAAAAAAAAAAAAAAAAAAAAAAAAAAAAAAAAAAAAAAAAAAAAAAAAAAAAAAAAAAAAAAAAAAAAAAAAAAAAAAAAAAAAAAAAAAAAAAAAAAAAAAAFAAAADwAAAAAAAAAAAAAAAAAAAkUAAAAAQAAABQAAAAUAAAAFAAAAAEAAAAAAAAAZAAAAGQAAAAAAAAAZAAAAGQAAAAVAAAAYAAAAAAAAAAAAAAADwAAACADAAAAAAAAAAAAAAEAAACgMgAAVgcAAKr4//8BAAAAf39/AAEAAABkAAAAAAAAABQAAABAHwAAAAAAACYAAAAAAAAAwOD//wAAAAAmAAAAZAAAABYAAABMAAAAAAAAAAAAAAAEAAAAAAAAAAEAAADn5uYKAAAAACgAAAAoAAAAZAAAAGQAAAAAAAAAzMzMAAAAAABQAAAAUAAAAGQAAABkAAAAAAAAAAcAAAA4AAAAAAAAAAAAAAAAAAAA////AAAAAAAAAAAAAAAAAAAAAAAAAAAAAAAAAAAAAABkAAAAZAAAAAAAAAAjAAAABAAAAGQAAAAXAAAAFAAAAAAAAAAAAAAA/38AAP9/AAAAAAAACQAAAAQAAAAJAAAAHgAAAGgAAAAAAAAAAAAAAAAAAAAAAAAAAAAAABAnAAAQJwAAAAAAAAAAAAAAAAAAAAAAAAAAAAAAAAAAAAAAAAAAAAAUAAAAAAAAAMDA/wAAAAAAZAAAADIAAAAAAAAAZAAAAAAAAAB/f38ACgAAACIAAAAYAAAAAAAAAAAAAAAAAAAAAAAAAAAAAAAAAAAAJAAAACQAAAAAAAAABwAAAAAAAAAAAAAAAAAAAAAAAAAAAAAAAAAAAH9/fwAlAAAAWAAAAAAAAAAAAAAAAAAAAAAAAAAAAAAAAAAAAAAAAAAAAAAAAAAAAAAAAAAAAAAAPwAAAAAAAACghgEAAAAAAAAAAAAAAAAADAAAAAEAAAAAAAAAAAAAAAAAAAAfAAAAVAAAAERyxAX///8BAAAAAAAAAAAAAAAAAAAAAAAAAAAAAAAAAAAAAAAAAAAAAAACf39/AOfm5gPMzMwAwMD/AH9/fwAAAAAAAAAAAAAAAAD///8AAAAAACEAAAAYAAAAFAAAACAoAACJCwAAHkoAAKceAAAQAAAAJgAAAAgAAAD//////////w=="/>
               </a:ext>
             </a:extLst>
           </p:cNvPicPr>
@@ -11655,7 +11610,7 @@
           <p:cNvSpPr>
             <a:extLst>
               <a:ext uri="smNativeData">
-                <pr:smNativeData xmlns:pr="smNativeData" xmlns="smNativeData" val="SMDATA_15_q5OGZBMAAAAlAAAAZAAAAA0AAAAAjgAAAEcAAACOAAAARwAAAAAAAAABAAAAAAAAAAEAAABQAAAAAAAAAAAA4D8AAAAAAADgPwAAAAAAAOA/AAAAAAAA4D8AAAAAAADgPwAAAAAAAOA/AAAAAAAA4D8AAAAAAADgPwAAAAAAAOA/AAAAAAAA4D8CAAAAjAAAAAEAAAAAAAAAIis1AP///wgAAAAAAAAAAAAAAAAAAAAAAAAAAAAAAAAAAAAAZAAAAAEAAABAAAAAAAAAAAAAAAAAAAAAAAAAAAAAAAAAAAAAAAAAAAAAAAAAAAAAAAAAAAAAAAAAAAAAAAAAAAAAAAAAAAAAAAAAAAAAAAAAAAAAAAAAAAAAAAAAAAAAFAAAADwAAAABAAAAAAAAAOfm5gooAAAAAQAAABQAAAAUAAAAFAAAAAEAAAAAAAAAZAAAAGQAAAAAAAAAZAAAAGQAAAAVAAAAYAAAAAAAAAAAAAAADwAAACADAAAAAAAAAAAAAAEAAACgMgAAVgcAAKr4//8BAAAAf39/AAEAAABkAAAAAAAAABQAAABAHwAAAAAAACYAAAAAAAAAwOD//wAAAAAmAAAAZAAAABYAAABMAAAAAAAAAAAAAAAEAAAAAAAAAAEAAADn5uYKAAAAACgAAAAoAAAAZAAAAGQAAAAAAAAAzMzMAAAAAABQAAAAUAAAAGQAAABkAAAAAAAAABcAAAAUAAAAAAAAAAAAAAD/fwAA/38AAAAAAAAJAAAABAAAAF8AYAAeAAAAaAAAAAAAAAAAAAAAAAAAAAAAAAAAAAAAECcAABAnAAAAAAAAAAAAAAAAAAAAAAAAAAAAAAAAAAAAAAAAAAAAABQAAAAAAAAAwMD/AAAAAABkAAAAMgAAAAAAAABkAAAAAAAAAH9/fwAKAAAAIgAAABgAAAAAAAAAAAAAAAAAAAAAAAAAAAAAAAAAAAAkAAAAJAAAAAAAAAAHAAAAAAAAAAAAAAAAAAAAAAAAAAAAAAAAAAAAf39/ACUAAABYAAAAAAAAAAAAAAAAAAAAAAAAAAAAAAAAAAAAAAAAAAAAAAAAAAAAAAAAAAAAAAA/AAAAAAAAAKCGAQAAAAAAAAAAAAAAAAAMAAAAAQAAAAAAAAAAAAAAAAAAAB8AAABUAAAAIis1AP///wEAAAAAAAAAAAAAAAAAAAAAAAAAAAAAAAAAAAAAAAAAAOfm5gN/f38A5+bmA8zMzADAwP8Af39/AAAAAAAAAAAAAAAAAAAAAAAAAAAAIQAAABgAAAAUAAAAQhQAAEkBAAC9NgAA6QYAABAAAAAmAAAACAAAAP//////////"/>
+                <pr:smNativeData xmlns="smNativeData" xmlns:pr="smNativeData" xmlns:p15="http://schemas.microsoft.com/office/powerpoint/2012/main" xmlns:p14="http://schemas.microsoft.com/office/powerpoint/2010/main" xmlns:mc="http://schemas.openxmlformats.org/markup-compatibility/2006" val="SMDATA_15_q5OGZBMAAAAlAAAAZAAAAA0AAAAAjgAAAEcAAACOAAAARwAAAAAAAAABAAAAAAAAAAEAAABQAAAAAAAAAAAA4D8AAAAAAADgPwAAAAAAAOA/AAAAAAAA4D8AAAAAAADgPwAAAAAAAOA/AAAAAAAA4D8AAAAAAADgPwAAAAAAAOA/AAAAAAAA4D8CAAAAjAAAAAEAAAAAAAAAIis1AP///wgAAAAAAAAAAAAAAAAAAAAAAAAAAAAAAAAAAAAAZAAAAAEAAABAAAAAAAAAAAAAAAAAAAAAAAAAAAAAAAAAAAAAAAAAAAAAAAAAAAAAAAAAAAAAAAAAAAAAAAAAAAAAAAAAAAAAAAAAAAAAAAAAAAAAAAAAAAAAAAAAAAAAFAAAADwAAAABAAAAAAAAAOfm5gooAAAAAQAAABQAAAAUAAAAFAAAAAEAAAAAAAAAZAAAAGQAAAAAAAAAZAAAAGQAAAAVAAAAYAAAAAAAAAAAAAAADwAAACADAAAAAAAAAAAAAAEAAACgMgAAVgcAAKr4//8BAAAAf39/AAEAAABkAAAAAAAAABQAAABAHwAAAAAAACYAAAAAAAAAwOD//wAAAAAmAAAAZAAAABYAAABMAAAAAAAAAAAAAAAEAAAAAAAAAAEAAADn5uYKAAAAACgAAAAoAAAAZAAAAGQAAAAAAAAAzMzMAAAAAABQAAAAUAAAAGQAAABkAAAAAAAAABcAAAAUAAAAAAAAAAAAAAD/fwAA/38AAAAAAAAJAAAABAAAAF8AYAAeAAAAaAAAAAAAAAAAAAAAAAAAAAAAAAAAAAAAECcAABAnAAAAAAAAAAAAAAAAAAAAAAAAAAAAAAAAAAAAAAAAAAAAABQAAAAAAAAAwMD/AAAAAABkAAAAMgAAAAAAAABkAAAAAAAAAH9/fwAKAAAAIgAAABgAAAAAAAAAAAAAAAAAAAAAAAAAAAAAAAAAAAAkAAAAJAAAAAAAAAAHAAAAAAAAAAAAAAAAAAAAAAAAAAAAAAAAAAAAf39/ACUAAABYAAAAAAAAAAAAAAAAAAAAAAAAAAAAAAAAAAAAAAAAAAAAAAAAAAAAAAAAAAAAAAA/AAAAAAAAAKCGAQAAAAAAAAAAAAAAAAAMAAAAAQAAAAAAAAAAAAAAAAAAAB8AAABUAAAAIis1AP///wEAAAAAAAAAAAAAAAAAAAAAAAAAAAAAAAAAAAAAAAAAAOfm5gN/f38A5+bmA8zMzADAwP8Af39/AAAAAAAAAAAAAAAAAAAAAAAAAAAAIQAAABgAAAAUAAAAQhQAAEkBAAC9NgAA6QYAABAAAAAmAAAACAAAAP//////////"/>
               </a:ext>
             </a:extLst>
           </p:cNvSpPr>
@@ -11692,8 +11647,8 @@
               </a:lnSpc>
               <a:defRPr lang="pt-br" cap="none">
                 <a:latin typeface="Arial" pitchFamily="2" charset="0"/>
-                <a:ea typeface="DejaVu Sans" pitchFamily="0" charset="0"/>
-                <a:cs typeface="DejaVu Sans" pitchFamily="0" charset="0"/>
+                <a:ea typeface="DejaVu Sans" charset="0"/>
+                <a:cs typeface="DejaVu Sans" charset="0"/>
               </a:defRPr>
             </a:pPr>
             <a:r>
@@ -11701,9 +11656,9 @@
                 <a:solidFill>
                   <a:srgbClr val="FFFFFF"/>
                 </a:solidFill>
-                <a:latin typeface="Montserrat" pitchFamily="0" charset="0"/>
-                <a:ea typeface="DejaVu Sans" pitchFamily="0" charset="0"/>
-                <a:cs typeface="DejaVu Sans" pitchFamily="0" charset="0"/>
+                <a:latin typeface="Montserrat" charset="0"/>
+                <a:ea typeface="DejaVu Sans" charset="0"/>
+                <a:cs typeface="DejaVu Sans" charset="0"/>
               </a:rPr>
               <a:t>Polimorfismo – Sobrecarga e Sobreposição</a:t>
             </a:r>
@@ -11716,18 +11671,11 @@
   <p:clrMapOvr>
     <a:masterClrMapping/>
   </p:clrMapOvr>
-  <p:timing>
-    <p:tnLst>
-      <p:par>
-        <p:cTn id="1" dur="indefinite" restart="never" nodeType="tmRoot"/>
-      </p:par>
-    </p:tnLst>
-  </p:timing>
 </p:sld>
 </file>
 
 <file path=ppt/slides/slide13.xml><?xml version="1.0" encoding="utf-8"?>
-<p:sld xmlns:p="http://schemas.openxmlformats.org/presentationml/2006/main" xmlns:mc="http://schemas.openxmlformats.org/markup-compatibility/2006" xmlns:p14="http://schemas.microsoft.com/office/powerpoint/2010/main" xmlns:p15="http://schemas.microsoft.com/office/powerpoint/2012/main" xmlns:r="http://schemas.openxmlformats.org/officeDocument/2006/relationships" xmlns:a="http://schemas.openxmlformats.org/drawingml/2006/main" mc:Ignorable="p14">
+<p:sld xmlns:a="http://schemas.openxmlformats.org/drawingml/2006/main" xmlns:r="http://schemas.openxmlformats.org/officeDocument/2006/relationships" xmlns:p="http://schemas.openxmlformats.org/presentationml/2006/main">
   <p:cSld>
     <p:bg>
       <p:bgPr>
@@ -11757,7 +11705,7 @@
           <p:cNvSpPr>
             <a:extLst>
               <a:ext uri="smNativeData">
-                <pr:smNativeData xmlns:pr="smNativeData" xmlns="smNativeData" val="SMDATA_15_q5OGZBMAAAAlAAAAZAAAAA0AAAAAkAAAAEgAAACQAAAASAAAAAAAAAAAAAAAAAAAAAEAAABQAAAAAAAAAAAA4D8AAAAAAADgPwAAAAAAAOA/AAAAAAAA4D8AAAAAAADgPwAAAAAAAOA/AAAAAAAA4D8AAAAAAADgPwAAAAAAAOA/AAAAAAAA4D8CAAAAjAAAAAAAAAAAAAAARHLEDP///wgAAAAAAAAAAAAAAAAAAAAAAAAAAAAAAAAAAAAAZAAAAAEAAABAAAAAAAAAAAAAAAAAAAAAAAAAAAAAAAAAAAAAAAAAAAAAAAAAAAAAAAAAAAAAAAAAAAAAAAAAAAAAAAAAAAAAAAAAAAAAAAAAAAAAAAAAAAAAAAAAAAAAFAAAADwAAAAAAAAAAAAAAAAAAAkUAAAAAQAAABQAAAAUAAAAFAAAAAEAAAAAAAAAZAAAAGQAAAAAAAAAZAAAAGQAAAAVAAAAYAAAAAAAAAAAAAAADwAAACADAAAAAAAAAAAAAAEAAACgMgAAVgcAAKr4//8BAAAAf39/AAEAAABkAAAAAAAAABQAAABAHwAAAAAAACYAAAAAAAAAwOD//wAAAAAmAAAAZAAAABYAAABMAAAAAAAAAAAAAAAEAAAAAAAAAAEAAADn5uYKAAAAACgAAAAoAAAAZAAAAGQAAAAAAAAAzMzMAAAAAABQAAAAUAAAAGQAAABkAAAAAAAAABcAAAAUAAAAAAAAAAAAAAD/fwAA/38AAAAAAAAJAAAABAAAADa1FtAeAAAAaAAAAAAAAAAAAAAAAAAAAAAAAAAAAAAAECcAABAnAAAAAAAAAAAAAAAAAAAAAAAAAAAAAAAAAAAAAAAAAAAAABQAAAAAAAAAwMD/AAAAAABkAAAAMgAAAAAAAABkAAAAAAAAAH9/fwAKAAAAIgAAABgAAAAAAAAAAAAAAAAAAAAAAAAAAAAAAAAAAAAkAAAAJAAAAAAAAAAHAAAAAAAAAAAAAAAAAAAAAAAAAAAAAAAAAAAAf39/ACUAAABYAAAAAAAAAAAAAAAAAAAAAAAAAAAAAAAAAAAAAAAAAAAAAAAAAAAAAAAAAAAAAAA/AAAAAAAAAKCGAQAAAAAAAAAAAAAAAAAMAAAAAQAAAAAAAAAAAAAAAAAAAB8AAABUAAAARHLEBf///wEAAAAAAAAAAAAAAAAAAAAAAAAAAAAAAAAAAAAAAAAAAAAAAAJ/f38A5+bmA8zMzADAwP8Af39/AAAAAAAAAAAAAAAAAAAAAAAAAAAAIQAAABgAAAAUAAAAKAUAAD8CAADXRQAAZQoAABAAAAAmAAAACAAAAP//////////"/>
+                <pr:smNativeData xmlns="smNativeData" xmlns:pr="smNativeData" xmlns:p15="http://schemas.microsoft.com/office/powerpoint/2012/main" xmlns:p14="http://schemas.microsoft.com/office/powerpoint/2010/main" xmlns:mc="http://schemas.openxmlformats.org/markup-compatibility/2006" val="SMDATA_15_q5OGZBMAAAAlAAAAZAAAAA0AAAAAkAAAAEgAAACQAAAASAAAAAAAAAAAAAAAAAAAAAEAAABQAAAAAAAAAAAA4D8AAAAAAADgPwAAAAAAAOA/AAAAAAAA4D8AAAAAAADgPwAAAAAAAOA/AAAAAAAA4D8AAAAAAADgPwAAAAAAAOA/AAAAAAAA4D8CAAAAjAAAAAAAAAAAAAAARHLEDP///wgAAAAAAAAAAAAAAAAAAAAAAAAAAAAAAAAAAAAAZAAAAAEAAABAAAAAAAAAAAAAAAAAAAAAAAAAAAAAAAAAAAAAAAAAAAAAAAAAAAAAAAAAAAAAAAAAAAAAAAAAAAAAAAAAAAAAAAAAAAAAAAAAAAAAAAAAAAAAAAAAAAAAFAAAADwAAAAAAAAAAAAAAAAAAAkUAAAAAQAAABQAAAAUAAAAFAAAAAEAAAAAAAAAZAAAAGQAAAAAAAAAZAAAAGQAAAAVAAAAYAAAAAAAAAAAAAAADwAAACADAAAAAAAAAAAAAAEAAACgMgAAVgcAAKr4//8BAAAAf39/AAEAAABkAAAAAAAAABQAAABAHwAAAAAAACYAAAAAAAAAwOD//wAAAAAmAAAAZAAAABYAAABMAAAAAAAAAAAAAAAEAAAAAAAAAAEAAADn5uYKAAAAACgAAAAoAAAAZAAAAGQAAAAAAAAAzMzMAAAAAABQAAAAUAAAAGQAAABkAAAAAAAAABcAAAAUAAAAAAAAAAAAAAD/fwAA/38AAAAAAAAJAAAABAAAADa1FtAeAAAAaAAAAAAAAAAAAAAAAAAAAAAAAAAAAAAAECcAABAnAAAAAAAAAAAAAAAAAAAAAAAAAAAAAAAAAAAAAAAAAAAAABQAAAAAAAAAwMD/AAAAAABkAAAAMgAAAAAAAABkAAAAAAAAAH9/fwAKAAAAIgAAABgAAAAAAAAAAAAAAAAAAAAAAAAAAAAAAAAAAAAkAAAAJAAAAAAAAAAHAAAAAAAAAAAAAAAAAAAAAAAAAAAAAAAAAAAAf39/ACUAAABYAAAAAAAAAAAAAAAAAAAAAAAAAAAAAAAAAAAAAAAAAAAAAAAAAAAAAAAAAAAAAAA/AAAAAAAAAKCGAQAAAAAAAAAAAAAAAAAMAAAAAQAAAAAAAAAAAAAAAAAAAB8AAABUAAAARHLEBf///wEAAAAAAAAAAAAAAAAAAAAAAAAAAAAAAAAAAAAAAAAAAAAAAAJ/f38A5+bmA8zMzADAwP8Af39/AAAAAAAAAAAAAAAAAAAAAAAAAAAAIQAAABgAAAAUAAAAKAUAAD8CAADXRQAAZQoAABAAAAAmAAAACAAAAP//////////"/>
               </a:ext>
             </a:extLst>
           </p:cNvSpPr>
@@ -11784,7 +11732,7 @@
           <p:cNvSpPr>
             <a:extLst>
               <a:ext uri="smNativeData">
-                <pr:smNativeData xmlns:pr="smNativeData" xmlns="smNativeData" val="SMDATA_15_q5OGZBMAAAAlAAAAqgAAAA0AAAAAkAAAAEgAAACQAAAASAAAAAAAAAAAAAAAAAAAAAEAAABQAAAAda9fBcX/xz8AAAAAAADgPwAAAAAAAOA/AAAAAAAA4D8AAAAAAADgPwAAAAAAAOA/AAAAAAAA4D8AAAAAAADgPwAAAAAAAOA/AAAAAAAA4D8CAAAAjAAAAAEAAAAAAAAANEBQAP///wgAAAAAAAAAAAAAAAAAAAAAAAAAAAAAAAAAAAAAZAAAAAEAAABAAAAAAAAAAAAAAAAAAAAAAAAAAAAAAAAAAAAAAAAAAAAAAAAAAAAAAAAAAAAAAAAAAAAAAAAAAAAAAAAAAAAAAAAAAAAAAAAAAAAAAAAAAAAAAAAAAAAAFAAAADwAAAABAAAAAAAAAP///wgoAAAAAQAAABQAAAAUAAAAFAAAAAEAAAAAAAAAZAAAAGQAAAAAAAAAZAAAAGQAAAAVAAAAYAAAAAAAAAAAAAAADwAAACADAAAAAAAAAAAAAAEAAACgMgAAVgcAAKr4//8BAAAAf39/AAEAAABkAAAAAAAAABQAAABAHwAAAAAAACYAAAAAAAAAwOD//wAAAAAmAAAAZAAAABYAAABMAAAAAAAAAAAAAAAEAAAAAAAAAAEAAADn5uYKAAAAACgAAAAoAAAAZAAAAGQAAAAAAAAAzMzMAAAAAABQAAAAUAAAAGQAAABkAAAAAAAAABcAAAAUAAAAAAAAAAAAAAD/fwAA/38AAAAAAAAJAAAABAAAABUWFhgeAAAAaAAAAAAAAAAAAAAAAAAAAAAAAAAAAAAAECcAABAnAAAAAAAAAAAAAAAAAAAAAAAAAAAAAAAAAAAAAAAAAAAAABQAAAAAAAAAwMD/AAAAAABkAAAAMgAAAAAAAABkAAAAAAAAAH9/fwAKAAAAIgAAABgAAAAAAAAAAAAAAAAAAAAAAAAAAAAAAAAAAAAkAAAAJAAAAAAAAAAHAAAAAAAAAAAAAAAAAAAAAAAAAAAAAAAAAAAAf39/ACUAAABYAAAAAAAAAAAAAAAAAAAAAAAAAAAAAAAAAAAAAAAAAAAAAAAAAAAAAAAAAAAAAAA/AAAAAAAAAKCGAQAAAAAAAAAAAAAAAAAMAAAAAQAAAAAAAAAAAAAAAAAAAB8AAABUAAAANEBQAP///wEAAAAAAAAAAAAAAAAAAAAAAAAAAAAAAAAAAAAAAAAAAP///wF/f38A5+bmA8zMzADAwP8Af39/AAAAAAAAAAAAAAAAAAAAAAAAAAAAIQAAABgAAAAUAAAAAAAAAAAAAAD/SgAALyoAABAAAAAmAAAACAAAAP//////////"/>
+                <pr:smNativeData xmlns="smNativeData" xmlns:pr="smNativeData" xmlns:p15="http://schemas.microsoft.com/office/powerpoint/2012/main" xmlns:p14="http://schemas.microsoft.com/office/powerpoint/2010/main" xmlns:mc="http://schemas.openxmlformats.org/markup-compatibility/2006" val="SMDATA_15_q5OGZBMAAAAlAAAAqgAAAA0AAAAAkAAAAEgAAACQAAAASAAAAAAAAAAAAAAAAAAAAAEAAABQAAAAda9fBcX/xz8AAAAAAADgPwAAAAAAAOA/AAAAAAAA4D8AAAAAAADgPwAAAAAAAOA/AAAAAAAA4D8AAAAAAADgPwAAAAAAAOA/AAAAAAAA4D8CAAAAjAAAAAEAAAAAAAAANEBQAP///wgAAAAAAAAAAAAAAAAAAAAAAAAAAAAAAAAAAAAAZAAAAAEAAABAAAAAAAAAAAAAAAAAAAAAAAAAAAAAAAAAAAAAAAAAAAAAAAAAAAAAAAAAAAAAAAAAAAAAAAAAAAAAAAAAAAAAAAAAAAAAAAAAAAAAAAAAAAAAAAAAAAAAFAAAADwAAAABAAAAAAAAAP///wgoAAAAAQAAABQAAAAUAAAAFAAAAAEAAAAAAAAAZAAAAGQAAAAAAAAAZAAAAGQAAAAVAAAAYAAAAAAAAAAAAAAADwAAACADAAAAAAAAAAAAAAEAAACgMgAAVgcAAKr4//8BAAAAf39/AAEAAABkAAAAAAAAABQAAABAHwAAAAAAACYAAAAAAAAAwOD//wAAAAAmAAAAZAAAABYAAABMAAAAAAAAAAAAAAAEAAAAAAAAAAEAAADn5uYKAAAAACgAAAAoAAAAZAAAAGQAAAAAAAAAzMzMAAAAAABQAAAAUAAAAGQAAABkAAAAAAAAABcAAAAUAAAAAAAAAAAAAAD/fwAA/38AAAAAAAAJAAAABAAAABUWFhgeAAAAaAAAAAAAAAAAAAAAAAAAAAAAAAAAAAAAECcAABAnAAAAAAAAAAAAAAAAAAAAAAAAAAAAAAAAAAAAAAAAAAAAABQAAAAAAAAAwMD/AAAAAABkAAAAMgAAAAAAAABkAAAAAAAAAH9/fwAKAAAAIgAAABgAAAAAAAAAAAAAAAAAAAAAAAAAAAAAAAAAAAAkAAAAJAAAAAAAAAAHAAAAAAAAAAAAAAAAAAAAAAAAAAAAAAAAAAAAf39/ACUAAABYAAAAAAAAAAAAAAAAAAAAAAAAAAAAAAAAAAAAAAAAAAAAAAAAAAAAAAAAAAAAAAA/AAAAAAAAAKCGAQAAAAAAAAAAAAAAAAAMAAAAAQAAAAAAAAAAAAAAAAAAAB8AAABUAAAANEBQAP///wEAAAAAAAAAAAAAAAAAAAAAAAAAAAAAAAAAAAAAAAAAAP///wF/f38A5+bmA8zMzADAwP8Af39/AAAAAAAAAAAAAAAAAAAAAAAAAAAAIQAAABgAAAAUAAAAAAAAAAAAAAD/SgAALyoAABAAAAAmAAAACAAAAP//////////"/>
               </a:ext>
             </a:extLst>
           </p:cNvSpPr>
@@ -11820,7 +11768,7 @@
           <p:cNvSpPr>
             <a:extLst>
               <a:ext uri="smNativeData">
-                <pr:smNativeData xmlns:pr="smNativeData" xmlns="smNativeData" val="SMDATA_15_q5OGZBMAAAAlAAAAZAAAAE0AAAAAjgAAAEcAAACOAAAARwAAAAAAAAAAAAAAAAAAAAEAAABQAAAAAAAAAAAA4D8AAAAAAADgPwAAAAAAAOA/AAAAAAAA4D8AAAAAAADgPwAAAAAAAOA/AAAAAAAA4D8AAAAAAADgPwAAAAAAAOA/AAAAAAAA4D8CAAAAjAAAAAAAAAAAAAAARHLEDP///wgAAAAAAAAAAAAAAAAAAAAAAAAAAAAAAAAAAAAAZAAAAAEAAABAAAAAAAAAAAAAAAAAAAAAAAAAAAAAAAAAAAAAAAAAAAAAAAAAAAAAAAAAAAAAAAAAAAAAAAAAAAAAAAAAAAAAAAAAAAAAAAAAAAAAAAAAAAAAAAAAAAAAFAAAADwAAAAAAAAAAAAAAAAAAAkUAAAAAQAAABQAAAAUAAAAFAAAAAEAAAAAAAAAZAAAAGQAAAAAAAAAZAAAAGQAAAAVAAAAYAAAAAAAAAAAAAAADwAAACADAAAAAAAAAAAAAAEAAACgMgAAVgcAAKr4//8BAAAAf39/AAEAAABkAAAAAAAAABQAAABAHwAAAAAAACYAAAAAAAAAwOD//wAAAAAmAAAAZAAAABYAAABMAAAAAAAAAAAAAAAEAAAAAAAAAAEAAADn5uYKAAAAACgAAAAoAAAAZAAAAGQAAAAAAAAAzMzMAAAAAABQAAAAUAAAAGQAAABkAAAAAAAAABcAAAAUAAAAAAAAAAAAAAD/fwAA/38AAAAAAAAJAAAABAAAAICAgIAeAAAAaAAAAAAAAAAAAAAAAAAAAAAAAAAAAAAAECcAABAnAAAAAAAAAAAAAAAAAAAAAAAAAAAAAAAAAAAAAAAAAAAAABQAAAAAAAAAwMD/AAAAAABkAAAAMgAAAAAAAABkAAAAAAAAAH9/fwAKAAAAIgAAABgAAAAAAAAAAAAAAAAAAAAAAAAAAAAAAAAAAAAkAAAAJAAAAAAAAAAHAAAAAAAAAAAAAAAAAAAAAAAAAAAAAAAAAAAAf39/ACUAAABYAAAAAAAAAAAAAAAAAAAAAAAAAAAAAAAAAAAAAAAAAAAAAAAAAAAAAAAAAAAAAAA/AAAAAAAAAKCGAQAAAAAAAAAAAAAAAAAMAAAAAQAAAAAAAAAAAAAAAAAAAB8AAABUAAAARHLEBf///wEAAAAAAAAAAAAAAAAAAAAAAAAAAAAAAAAAAAAAAAAAAAAAAAJ/f38A5+bmA8zMzADAwP8Af39/AAAAAAAAAAAAAAAAAAAAAAAAAAAAIQAAABgAAAAUAAAAJgEAAFMGAAAvKgAA7SkAABAgAAAmAAAACAAAAP//////////"/>
+                <pr:smNativeData xmlns="smNativeData" xmlns:pr="smNativeData" xmlns:p15="http://schemas.microsoft.com/office/powerpoint/2012/main" xmlns:p14="http://schemas.microsoft.com/office/powerpoint/2010/main" xmlns:mc="http://schemas.openxmlformats.org/markup-compatibility/2006" val="SMDATA_15_q5OGZBMAAAAlAAAAZAAAAE0AAAAAjgAAAEcAAACOAAAARwAAAAAAAAAAAAAAAAAAAAEAAABQAAAAAAAAAAAA4D8AAAAAAADgPwAAAAAAAOA/AAAAAAAA4D8AAAAAAADgPwAAAAAAAOA/AAAAAAAA4D8AAAAAAADgPwAAAAAAAOA/AAAAAAAA4D8CAAAAjAAAAAAAAAAAAAAARHLEDP///wgAAAAAAAAAAAAAAAAAAAAAAAAAAAAAAAAAAAAAZAAAAAEAAABAAAAAAAAAAAAAAAAAAAAAAAAAAAAAAAAAAAAAAAAAAAAAAAAAAAAAAAAAAAAAAAAAAAAAAAAAAAAAAAAAAAAAAAAAAAAAAAAAAAAAAAAAAAAAAAAAAAAAFAAAADwAAAAAAAAAAAAAAAAAAAkUAAAAAQAAABQAAAAUAAAAFAAAAAEAAAAAAAAAZAAAAGQAAAAAAAAAZAAAAGQAAAAVAAAAYAAAAAAAAAAAAAAADwAAACADAAAAAAAAAAAAAAEAAACgMgAAVgcAAKr4//8BAAAAf39/AAEAAABkAAAAAAAAABQAAABAHwAAAAAAACYAAAAAAAAAwOD//wAAAAAmAAAAZAAAABYAAABMAAAAAAAAAAAAAAAEAAAAAAAAAAEAAADn5uYKAAAAACgAAAAoAAAAZAAAAGQAAAAAAAAAzMzMAAAAAABQAAAAUAAAAGQAAABkAAAAAAAAABcAAAAUAAAAAAAAAAAAAAD/fwAA/38AAAAAAAAJAAAABAAAAICAgIAeAAAAaAAAAAAAAAAAAAAAAAAAAAAAAAAAAAAAECcAABAnAAAAAAAAAAAAAAAAAAAAAAAAAAAAAAAAAAAAAAAAAAAAABQAAAAAAAAAwMD/AAAAAABkAAAAMgAAAAAAAABkAAAAAAAAAH9/fwAKAAAAIgAAABgAAAAAAAAAAAAAAAAAAAAAAAAAAAAAAAAAAAAkAAAAJAAAAAAAAAAHAAAAAAAAAAAAAAAAAAAAAAAAAAAAAAAAAAAAf39/ACUAAABYAAAAAAAAAAAAAAAAAAAAAAAAAAAAAAAAAAAAAAAAAAAAAAAAAAAAAAAAAAAAAAA/AAAAAAAAAKCGAQAAAAAAAAAAAAAAAAAMAAAAAQAAAAAAAAAAAAAAAAAAAB8AAABUAAAARHLEBf///wEAAAAAAAAAAAAAAAAAAAAAAAAAAAAAAAAAAAAAAAAAAAAAAAJ/f38A5+bmA8zMzADAwP8Af39/AAAAAAAAAAAAAAAAAAAAAAAAAAAAIQAAABgAAAAUAAAAJgEAAFMGAAAvKgAA7SkAABAgAAAmAAAACAAAAP//////////"/>
               </a:ext>
             </a:extLst>
           </p:cNvSpPr>
@@ -11850,8 +11798,8 @@
               </a:lnSpc>
               <a:defRPr lang="pt-br" cap="none">
                 <a:latin typeface="Arial" pitchFamily="2" charset="0"/>
-                <a:ea typeface="DejaVu Sans" pitchFamily="0" charset="0"/>
-                <a:cs typeface="DejaVu Sans" pitchFamily="0" charset="0"/>
+                <a:ea typeface="DejaVu Sans" charset="0"/>
+                <a:cs typeface="DejaVu Sans" charset="0"/>
               </a:defRPr>
             </a:pPr>
             <a:r>
@@ -11859,9 +11807,9 @@
                 <a:solidFill>
                   <a:srgbClr val="D1D5DB"/>
                 </a:solidFill>
-                <a:latin typeface="Söhne" pitchFamily="0" charset="0"/>
-                <a:ea typeface="DejaVu Sans" pitchFamily="0" charset="0"/>
-                <a:cs typeface="DejaVu Sans" pitchFamily="0" charset="0"/>
+                <a:latin typeface="Söhne" charset="0"/>
+                <a:ea typeface="DejaVu Sans" charset="0"/>
+                <a:cs typeface="DejaVu Sans" charset="0"/>
               </a:rPr>
               <a:t>Sobrecarga (Overloading): A sobrecarga ocorre quando uma classe possui vários métodos com o mesmo nome, mas com diferentes assinaturas (parâmetros). Esses métodos podem ter um número diferente de parâmetros ou tipos de parâmetros diferentes. A decisão sobre qual método executar é baseada nos parâmetros passados na chamada do método.</a:t>
             </a:r>
@@ -11874,8 +11822,8 @@
               </a:lnSpc>
               <a:defRPr lang="pt-br" cap="none">
                 <a:latin typeface="Arial" pitchFamily="2" charset="0"/>
-                <a:ea typeface="DejaVu Sans" pitchFamily="0" charset="0"/>
-                <a:cs typeface="DejaVu Sans" pitchFamily="0" charset="0"/>
+                <a:ea typeface="DejaVu Sans" charset="0"/>
+                <a:cs typeface="DejaVu Sans" charset="0"/>
               </a:defRPr>
             </a:pPr>
             <a:endParaRPr lang="pt-br" sz="2200" cap="none"/>
@@ -11887,8 +11835,8 @@
               </a:lnSpc>
               <a:defRPr lang="pt-br" cap="none">
                 <a:latin typeface="Arial" pitchFamily="2" charset="0"/>
-                <a:ea typeface="DejaVu Sans" pitchFamily="0" charset="0"/>
-                <a:cs typeface="DejaVu Sans" pitchFamily="0" charset="0"/>
+                <a:ea typeface="DejaVu Sans" charset="0"/>
+                <a:cs typeface="DejaVu Sans" charset="0"/>
               </a:defRPr>
             </a:pPr>
             <a:r>
@@ -11896,9 +11844,9 @@
                 <a:solidFill>
                   <a:srgbClr val="D1D5DB"/>
                 </a:solidFill>
-                <a:latin typeface="Söhne" pitchFamily="0" charset="0"/>
-                <a:ea typeface="DejaVu Sans" pitchFamily="0" charset="0"/>
-                <a:cs typeface="DejaVu Sans" pitchFamily="0" charset="0"/>
+                <a:latin typeface="Söhne" charset="0"/>
+                <a:ea typeface="DejaVu Sans" charset="0"/>
+                <a:cs typeface="DejaVu Sans" charset="0"/>
               </a:rPr>
               <a:t>A sobrecarga permite que uma classe ofereça diferentes versões de um método, cada uma adaptada para diferentes conjuntos de parâmetros. Dessa forma, os métodos podem ter o mesmo nome, mas se comportam de maneira diferente com base nos argumentos.</a:t>
             </a:r>
@@ -11911,8 +11859,8 @@
               </a:lnSpc>
               <a:defRPr lang="pt-br" cap="none">
                 <a:latin typeface="Arial" pitchFamily="2" charset="0"/>
-                <a:ea typeface="DejaVu Sans" pitchFamily="0" charset="0"/>
-                <a:cs typeface="DejaVu Sans" pitchFamily="0" charset="0"/>
+                <a:ea typeface="DejaVu Sans" charset="0"/>
+                <a:cs typeface="DejaVu Sans" charset="0"/>
               </a:defRPr>
             </a:pPr>
             <a:endParaRPr lang="pt-br" sz="2200" cap="none"/>
@@ -11925,7 +11873,7 @@
           <p:cNvSpPr>
             <a:extLst>
               <a:ext uri="smNativeData">
-                <pr:smNativeData xmlns:pr="smNativeData" xmlns="smNativeData" val="SMDATA_15_q5OGZBMAAAAlAAAAZAAAAA0AAAAAjgAAAEcAAACOAAAARwAAAAAAAAABAAAAAAAAAAEAAABQAAAAAAAAAAAA4D8AAAAAAADgPwAAAAAAAOA/AAAAAAAA4D8AAAAAAADgPwAAAAAAAOA/AAAAAAAA4D8AAAAAAADgPwAAAAAAAOA/AAAAAAAA4D8CAAAAjAAAAAEAAAAAAAAAIis1AP///wgAAAAAAAAAAAAAAAAAAAAAAAAAAAAAAAAAAAAAZAAAAAEAAABAAAAAAAAAAAAAAAAAAAAAAAAAAAAAAAAAAAAAAAAAAAAAAAAAAAAAAAAAAAAAAAAAAAAAAAAAAAAAAAAAAAAAAAAAAAAAAAAAAAAAAAAAAAAAAAAAAAAAFAAAADwAAAABAAAAAAAAAOfm5gooAAAAAQAAABQAAAAUAAAAFAAAAAEAAAAAAAAAZAAAAGQAAAAAAAAAZAAAAGQAAAAVAAAAYAAAAAAAAAAAAAAADwAAACADAAAAAAAAAAAAAAEAAACgMgAAVgcAAKr4//8BAAAAf39/AAEAAABkAAAAAAAAABQAAABAHwAAAAAAACYAAAAAAAAAwOD//wAAAAAmAAAAZAAAABYAAABMAAAAAAAAAAAAAAAEAAAAAAAAAAEAAADn5uYKAAAAACgAAAAoAAAAZAAAAGQAAAAAAAAAzMzMAAAAAABQAAAAUAAAAGQAAABkAAAAAAAAABcAAAAUAAAAAAAAAAAAAAD/fwAA/38AAAAAAAAJAAAABAAAAKv///8eAAAAaAAAAAAAAAAAAAAAAAAAAAAAAAAAAAAAECcAABAnAAAAAAAAAAAAAAAAAAAAAAAAAAAAAAAAAAAAAAAAAAAAABQAAAAAAAAAwMD/AAAAAABkAAAAMgAAAAAAAABkAAAAAAAAAH9/fwAKAAAAIgAAABgAAAAAAAAAAAAAAAAAAAAAAAAAAAAAAAAAAAAkAAAAJAAAAAAAAAAHAAAAAAAAAAAAAAAAAAAAAAAAAAAAAAAAAAAAf39/ACUAAABYAAAAAAAAAAAAAAAAAAAAAAAAAAAAAAAAAAAAAAAAAAAAAAAAAAAAAAAAAAAAAAA/AAAAAAAAAKCGAQAAAAAAAAAAAAAAAAAMAAAAAQAAAAAAAAAAAAAAAAAAAB8AAABUAAAAIis1AP///wEAAAAAAAAAAAAAAAAAAAAAAAAAAAAAAAAAAAAAAAAAAOfm5gN/f38A5+bmA8zMzADAwP8Af39/AAAAAAAAAAAAAAAAAAAAAAAAAAAAIQAAABgAAAAUAAAAQhQAAEkBAAC9NgAARAUAABAAAAAmAAAACAAAAP//////////"/>
+                <pr:smNativeData xmlns="smNativeData" xmlns:pr="smNativeData" xmlns:p15="http://schemas.microsoft.com/office/powerpoint/2012/main" xmlns:p14="http://schemas.microsoft.com/office/powerpoint/2010/main" xmlns:mc="http://schemas.openxmlformats.org/markup-compatibility/2006" val="SMDATA_15_q5OGZBMAAAAlAAAAZAAAAA0AAAAAjgAAAEcAAACOAAAARwAAAAAAAAABAAAAAAAAAAEAAABQAAAAAAAAAAAA4D8AAAAAAADgPwAAAAAAAOA/AAAAAAAA4D8AAAAAAADgPwAAAAAAAOA/AAAAAAAA4D8AAAAAAADgPwAAAAAAAOA/AAAAAAAA4D8CAAAAjAAAAAEAAAAAAAAAIis1AP///wgAAAAAAAAAAAAAAAAAAAAAAAAAAAAAAAAAAAAAZAAAAAEAAABAAAAAAAAAAAAAAAAAAAAAAAAAAAAAAAAAAAAAAAAAAAAAAAAAAAAAAAAAAAAAAAAAAAAAAAAAAAAAAAAAAAAAAAAAAAAAAAAAAAAAAAAAAAAAAAAAAAAAFAAAADwAAAABAAAAAAAAAOfm5gooAAAAAQAAABQAAAAUAAAAFAAAAAEAAAAAAAAAZAAAAGQAAAAAAAAAZAAAAGQAAAAVAAAAYAAAAAAAAAAAAAAADwAAACADAAAAAAAAAAAAAAEAAACgMgAAVgcAAKr4//8BAAAAf39/AAEAAABkAAAAAAAAABQAAABAHwAAAAAAACYAAAAAAAAAwOD//wAAAAAmAAAAZAAAABYAAABMAAAAAAAAAAAAAAAEAAAAAAAAAAEAAADn5uYKAAAAACgAAAAoAAAAZAAAAGQAAAAAAAAAzMzMAAAAAABQAAAAUAAAAGQAAABkAAAAAAAAABcAAAAUAAAAAAAAAAAAAAD/fwAA/38AAAAAAAAJAAAABAAAAKv///8eAAAAaAAAAAAAAAAAAAAAAAAAAAAAAAAAAAAAECcAABAnAAAAAAAAAAAAAAAAAAAAAAAAAAAAAAAAAAAAAAAAAAAAABQAAAAAAAAAwMD/AAAAAABkAAAAMgAAAAAAAABkAAAAAAAAAH9/fwAKAAAAIgAAABgAAAAAAAAAAAAAAAAAAAAAAAAAAAAAAAAAAAAkAAAAJAAAAAAAAAAHAAAAAAAAAAAAAAAAAAAAAAAAAAAAAAAAAAAAf39/ACUAAABYAAAAAAAAAAAAAAAAAAAAAAAAAAAAAAAAAAAAAAAAAAAAAAAAAAAAAAAAAAAAAAA/AAAAAAAAAKCGAQAAAAAAAAAAAAAAAAAMAAAAAQAAAAAAAAAAAAAAAAAAAB8AAABUAAAAIis1AP///wEAAAAAAAAAAAAAAAAAAAAAAAAAAAAAAAAAAAAAAAAAAOfm5gN/f38A5+bmA8zMzADAwP8Af39/AAAAAAAAAAAAAAAAAAAAAAAAAAAAIQAAABgAAAAUAAAAQhQAAEkBAAC9NgAARAUAABAAAAAmAAAACAAAAP//////////"/>
               </a:ext>
             </a:extLst>
           </p:cNvSpPr>
@@ -11962,8 +11910,8 @@
               </a:lnSpc>
               <a:defRPr lang="pt-br" cap="none">
                 <a:latin typeface="Arial" pitchFamily="2" charset="0"/>
-                <a:ea typeface="DejaVu Sans" pitchFamily="0" charset="0"/>
-                <a:cs typeface="DejaVu Sans" pitchFamily="0" charset="0"/>
+                <a:ea typeface="DejaVu Sans" charset="0"/>
+                <a:cs typeface="DejaVu Sans" charset="0"/>
               </a:defRPr>
             </a:pPr>
             <a:r>
@@ -11971,9 +11919,9 @@
                 <a:solidFill>
                   <a:srgbClr val="FFFFFF"/>
                 </a:solidFill>
-                <a:latin typeface="Montserrat" pitchFamily="0" charset="0"/>
-                <a:ea typeface="DejaVu Sans" pitchFamily="0" charset="0"/>
-                <a:cs typeface="DejaVu Sans" pitchFamily="0" charset="0"/>
+                <a:latin typeface="Montserrat" charset="0"/>
+                <a:ea typeface="DejaVu Sans" charset="0"/>
+                <a:cs typeface="DejaVu Sans" charset="0"/>
               </a:rPr>
               <a:t>Polimorfismo - Sobrecarga</a:t>
             </a:r>
@@ -11987,7 +11935,7 @@
           <p:cNvPicPr>
             <a:extLst>
               <a:ext uri="smNativeData">
-                <pr:smNativeData xmlns:pr="smNativeData" xmlns="smNativeData" val="SMDATA_17_q5OGZBMAAAAlAAAAEQAAAA0AAAAAkAAAAEgAAACQAAAASAAAAAAAAAAAAAAAAAAAAAEAAABQAAAAAAAAAAAA4D8AAAAAAADgPwAAAAAAAOA/AAAAAAAA4D8AAAAAAADgPwAAAAAAAOA/AAAAAAAA4D8AAAAAAADgPwAAAAAAAOA/AAAAAAAA4D8CAAAAjAAAAAAAAAAAAAAARHLEDP///wgAAAAAAAAAAAAAAAAAAAAAAAAAAAAAAAAAAAAAZAAAAAEAAABAAAAAAAAAAAAAAAAAAAAAAAAAAAAAAAAAAAAAAAAAAAAAAAAAAAAAAAAAAAAAAAAAAAAAAAAAAAAAAAAAAAAAAAAAAAAAAAAAAAAAAAAAAAAAAAAAAAAAFAAAADwAAAAAAAAAAAAAAAAAAAkUAAAAAQAAABQAAAAUAAAAFAAAAAEAAAAAAAAAZAAAAGQAAAAAAAAAZAAAAGQAAAAVAAAAYAAAAAAAAAAAAAAADwAAACADAAAAAAAAAAAAAAEAAACgMgAAVgcAAKr4//8BAAAAf39/AAEAAABkAAAAAAAAABQAAABAHwAAAAAAACYAAAAAAAAAwOD//wAAAAAmAAAAZAAAABYAAABMAAAAAAAAAAAAAAAEAAAAAAAAAAEAAADn5uYKAAAAACgAAAAoAAAAZAAAAGQAAAAAAAAAzMzMAAAAAABQAAAAUAAAAGQAAABkAAAAAAAAAAcAAAA4AAAAAAAAAAAAAAAAAAAA////AAAAAAAAAAAAAAAAAAAAAAAAAAAAAAAAAAAAAABkAAAAZAAAAAAAAAAjAAAABAAAAGQAAAAXAAAAFAAAAAAAAAAAAAAA/38AAP9/AAAAAAAACQAAAAQAAAABAAAAHgAAAGgAAAAAAAAAAAAAAAAAAAAAAAAAAAAAABAnAAAQJwAAAAAAAAAAAAAAAAAAAAAAAAAAAAAAAAAAAAAAAAAAAAAUAAAAAAAAAMDA/wAAAAAAZAAAADIAAAAAAAAAZAAAAAAAAAB/f38ACgAAACIAAAAYAAAAAAAAAAAAAAAAAAAAAAAAAAAAAAAAAAAAJAAAACQAAAAAAAAABwAAAAAAAAAAAAAAAAAAAAAAAAAAAAAAAAAAAH9/fwAlAAAAWAAAAAAAAAAAAAAAAAAAAAAAAAAAAAAAAAAAAAAAAAAAAAAAAAAAAAAAAAAAAAAAPwAAAAAAAACghgEAAAAAAAAAAAAAAAAADAAAAAEAAAAAAAAAAAAAAAAAAAAfAAAAVAAAAERyxAX///8BAAAAAAAAAAAAAAAAAAAAAAAAAAAAAAAAAAAAAAAAAAAAAAACf39/AOfm5gPMzMwAwMD/AH9/fwAAAAAAAAAAAAAAAAD///8AAAAAACEAAAAYAAAAFAAAAKYrAAB7CwAAEEgAALQeAAAQAAAAJgAAAAgAAAD//////////w=="/>
+                <pr:smNativeData xmlns="smNativeData" xmlns:pr="smNativeData" xmlns:p15="http://schemas.microsoft.com/office/powerpoint/2012/main" xmlns:p14="http://schemas.microsoft.com/office/powerpoint/2010/main" xmlns:mc="http://schemas.openxmlformats.org/markup-compatibility/2006" val="SMDATA_17_q5OGZBMAAAAlAAAAEQAAAA0AAAAAkAAAAEgAAACQAAAASAAAAAAAAAAAAAAAAAAAAAEAAABQAAAAAAAAAAAA4D8AAAAAAADgPwAAAAAAAOA/AAAAAAAA4D8AAAAAAADgPwAAAAAAAOA/AAAAAAAA4D8AAAAAAADgPwAAAAAAAOA/AAAAAAAA4D8CAAAAjAAAAAAAAAAAAAAARHLEDP///wgAAAAAAAAAAAAAAAAAAAAAAAAAAAAAAAAAAAAAZAAAAAEAAABAAAAAAAAAAAAAAAAAAAAAAAAAAAAAAAAAAAAAAAAAAAAAAAAAAAAAAAAAAAAAAAAAAAAAAAAAAAAAAAAAAAAAAAAAAAAAAAAAAAAAAAAAAAAAAAAAAAAAFAAAADwAAAAAAAAAAAAAAAAAAAkUAAAAAQAAABQAAAAUAAAAFAAAAAEAAAAAAAAAZAAAAGQAAAAAAAAAZAAAAGQAAAAVAAAAYAAAAAAAAAAAAAAADwAAACADAAAAAAAAAAAAAAEAAACgMgAAVgcAAKr4//8BAAAAf39/AAEAAABkAAAAAAAAABQAAABAHwAAAAAAACYAAAAAAAAAwOD//wAAAAAmAAAAZAAAABYAAABMAAAAAAAAAAAAAAAEAAAAAAAAAAEAAADn5uYKAAAAACgAAAAoAAAAZAAAAGQAAAAAAAAAzMzMAAAAAABQAAAAUAAAAGQAAABkAAAAAAAAAAcAAAA4AAAAAAAAAAAAAAAAAAAA////AAAAAAAAAAAAAAAAAAAAAAAAAAAAAAAAAAAAAABkAAAAZAAAAAAAAAAjAAAABAAAAGQAAAAXAAAAFAAAAAAAAAAAAAAA/38AAP9/AAAAAAAACQAAAAQAAAABAAAAHgAAAGgAAAAAAAAAAAAAAAAAAAAAAAAAAAAAABAnAAAQJwAAAAAAAAAAAAAAAAAAAAAAAAAAAAAAAAAAAAAAAAAAAAAUAAAAAAAAAMDA/wAAAAAAZAAAADIAAAAAAAAAZAAAAAAAAAB/f38ACgAAACIAAAAYAAAAAAAAAAAAAAAAAAAAAAAAAAAAAAAAAAAAJAAAACQAAAAAAAAABwAAAAAAAAAAAAAAAAAAAAAAAAAAAAAAAAAAAH9/fwAlAAAAWAAAAAAAAAAAAAAAAAAAAAAAAAAAAAAAAAAAAAAAAAAAAAAAAAAAAAAAAAAAAAAAPwAAAAAAAACghgEAAAAAAAAAAAAAAAAADAAAAAEAAAAAAAAAAAAAAAAAAAAfAAAAVAAAAERyxAX///8BAAAAAAAAAAAAAAAAAAAAAAAAAAAAAAAAAAAAAAAAAAAAAAACf39/AOfm5gPMzMwAwMD/AH9/fwAAAAAAAAAAAAAAAAD///8AAAAAACEAAAAYAAAAFAAAAKYrAAB7CwAAEEgAALQeAAAQAAAAJgAAAAgAAAD//////////w=="/>
               </a:ext>
             </a:extLst>
           </p:cNvPicPr>
@@ -12019,18 +11967,11 @@
   <p:clrMapOvr>
     <a:masterClrMapping/>
   </p:clrMapOvr>
-  <p:timing>
-    <p:tnLst>
-      <p:par>
-        <p:cTn id="1" dur="indefinite" restart="never" nodeType="tmRoot"/>
-      </p:par>
-    </p:tnLst>
-  </p:timing>
 </p:sld>
 </file>
 
 <file path=ppt/slides/slide14.xml><?xml version="1.0" encoding="utf-8"?>
-<p:sld xmlns:p="http://schemas.openxmlformats.org/presentationml/2006/main" xmlns:mc="http://schemas.openxmlformats.org/markup-compatibility/2006" xmlns:p14="http://schemas.microsoft.com/office/powerpoint/2010/main" xmlns:p15="http://schemas.microsoft.com/office/powerpoint/2012/main" xmlns:r="http://schemas.openxmlformats.org/officeDocument/2006/relationships" xmlns:a="http://schemas.openxmlformats.org/drawingml/2006/main" mc:Ignorable="p14">
+<p:sld xmlns:a="http://schemas.openxmlformats.org/drawingml/2006/main" xmlns:r="http://schemas.openxmlformats.org/officeDocument/2006/relationships" xmlns:p="http://schemas.openxmlformats.org/presentationml/2006/main">
   <p:cSld>
     <p:bg>
       <p:bgPr>
@@ -12060,7 +12001,7 @@
           <p:cNvSpPr>
             <a:extLst>
               <a:ext uri="smNativeData">
-                <pr:smNativeData xmlns:pr="smNativeData" xmlns="smNativeData" val="SMDATA_15_q5OGZBMAAAAlAAAAqgAAAA0AAAAAkAAAAEgAAACQAAAASAAAAAAAAAAAAAAAAAAAAAEAAABQAAAAda9fBcX/xz8AAAAAAADgPwAAAAAAAOA/AAAAAAAA4D8AAAAAAADgPwAAAAAAAOA/AAAAAAAA4D8AAAAAAADgPwAAAAAAAOA/AAAAAAAA4D8CAAAAjAAAAAEAAAAAAAAANEBQAP///wgAAAAAAAAAAAAAAAAAAAAAAAAAAAAAAAAAAAAAZAAAAAEAAABAAAAAAAAAAAAAAAAAAAAAAAAAAAAAAAAAAAAAAAAAAAAAAAAAAAAAAAAAAAAAAAAAAAAAAAAAAAAAAAAAAAAAAAAAAAAAAAAAAAAAAAAAAAAAAAAAAAAAFAAAADwAAAABAAAAAAAAAP///wgoAAAAAQAAABQAAAAUAAAAFAAAAAEAAAAAAAAAZAAAAGQAAAAAAAAAZAAAAGQAAAAVAAAAYAAAAAAAAAAAAAAADwAAACADAAAAAAAAAAAAAAEAAACgMgAAVgcAAKr4//8BAAAAf39/AAEAAABkAAAAAAAAABQAAABAHwAAAAAAACYAAAAAAAAAwOD//wAAAAAmAAAAZAAAABYAAABMAAAAAAAAAAAAAAAEAAAAAAAAAAEAAADn5uYKAAAAACgAAAAoAAAAZAAAAGQAAAAAAAAAzMzMAAAAAABQAAAAUAAAAGQAAABkAAAAAAAAABcAAAAUAAAAAAAAAAAAAAD/fwAA/38AAAAAAAAJAAAABAAAAAIAAAAeAAAAaAAAAAAAAAAAAAAAAAAAAAAAAAAAAAAAECcAABAnAAAAAAAAAAAAAAAAAAAAAAAAAAAAAAAAAAAAAAAAAAAAABQAAAAAAAAAwMD/AAAAAABkAAAAMgAAAAAAAABkAAAAAAAAAH9/fwAKAAAAIgAAABgAAAAAAAAAAAAAAAAAAAAAAAAAAAAAAAAAAAAkAAAAJAAAAAAAAAAHAAAAAAAAAAAAAAAAAAAAAAAAAAAAAAAAAAAAf39/ACUAAABYAAAAAAAAAAAAAAAAAAAAAAAAAAAAAAAAAAAAAAAAAAAAAAAAAAAAAAAAAAAAAAA/AAAAAAAAAKCGAQAAAAAAAAAAAAAAAAAMAAAAAQAAAAAAAAAAAAAAAAAAAB8AAABUAAAANEBQAP///wEAAAAAAAAAAAAAAAAAAAAAAAAAAAAAAAAAAAAAAAAAAP///wF/f38A5+bmA8zMzADAwP8Af39/AAAAAAAAAAAAAAAAAAAAAAAAAAAAIQAAABgAAAAUAAAAAAAAAAAAAAD/SgAALyoAABAAAAAmAAAACAAAAP//////////"/>
+                <pr:smNativeData xmlns="smNativeData" xmlns:pr="smNativeData" xmlns:p15="http://schemas.microsoft.com/office/powerpoint/2012/main" xmlns:p14="http://schemas.microsoft.com/office/powerpoint/2010/main" xmlns:mc="http://schemas.openxmlformats.org/markup-compatibility/2006" val="SMDATA_15_q5OGZBMAAAAlAAAAqgAAAA0AAAAAkAAAAEgAAACQAAAASAAAAAAAAAAAAAAAAAAAAAEAAABQAAAAda9fBcX/xz8AAAAAAADgPwAAAAAAAOA/AAAAAAAA4D8AAAAAAADgPwAAAAAAAOA/AAAAAAAA4D8AAAAAAADgPwAAAAAAAOA/AAAAAAAA4D8CAAAAjAAAAAEAAAAAAAAANEBQAP///wgAAAAAAAAAAAAAAAAAAAAAAAAAAAAAAAAAAAAAZAAAAAEAAABAAAAAAAAAAAAAAAAAAAAAAAAAAAAAAAAAAAAAAAAAAAAAAAAAAAAAAAAAAAAAAAAAAAAAAAAAAAAAAAAAAAAAAAAAAAAAAAAAAAAAAAAAAAAAAAAAAAAAFAAAADwAAAABAAAAAAAAAP///wgoAAAAAQAAABQAAAAUAAAAFAAAAAEAAAAAAAAAZAAAAGQAAAAAAAAAZAAAAGQAAAAVAAAAYAAAAAAAAAAAAAAADwAAACADAAAAAAAAAAAAAAEAAACgMgAAVgcAAKr4//8BAAAAf39/AAEAAABkAAAAAAAAABQAAABAHwAAAAAAACYAAAAAAAAAwOD//wAAAAAmAAAAZAAAABYAAABMAAAAAAAAAAAAAAAEAAAAAAAAAAEAAADn5uYKAAAAACgAAAAoAAAAZAAAAGQAAAAAAAAAzMzMAAAAAABQAAAAUAAAAGQAAABkAAAAAAAAABcAAAAUAAAAAAAAAAAAAAD/fwAA/38AAAAAAAAJAAAABAAAAAIAAAAeAAAAaAAAAAAAAAAAAAAAAAAAAAAAAAAAAAAAECcAABAnAAAAAAAAAAAAAAAAAAAAAAAAAAAAAAAAAAAAAAAAAAAAABQAAAAAAAAAwMD/AAAAAABkAAAAMgAAAAAAAABkAAAAAAAAAH9/fwAKAAAAIgAAABgAAAAAAAAAAAAAAAAAAAAAAAAAAAAAAAAAAAAkAAAAJAAAAAAAAAAHAAAAAAAAAAAAAAAAAAAAAAAAAAAAAAAAAAAAf39/ACUAAABYAAAAAAAAAAAAAAAAAAAAAAAAAAAAAAAAAAAAAAAAAAAAAAAAAAAAAAAAAAAAAAA/AAAAAAAAAKCGAQAAAAAAAAAAAAAAAAAMAAAAAQAAAAAAAAAAAAAAAAAAAB8AAABUAAAANEBQAP///wEAAAAAAAAAAAAAAAAAAAAAAAAAAAAAAAAAAAAAAAAAAP///wF/f38A5+bmA8zMzADAwP8Af39/AAAAAAAAAAAAAAAAAAAAAAAAAAAAIQAAABgAAAAUAAAAAAAAAAAAAAD/SgAALyoAABAAAAAmAAAACAAAAP//////////"/>
               </a:ext>
             </a:extLst>
           </p:cNvSpPr>
@@ -12096,7 +12037,7 @@
           <p:cNvPicPr>
             <a:extLst>
               <a:ext uri="smNativeData">
-                <pr:smNativeData xmlns:pr="smNativeData" xmlns="smNativeData" val="SMDATA_17_q5OGZBMAAAAlAAAAEQAAAA0AAAAAkAAAAEgAAACQAAAASAAAAAAAAAAAAAAAAAAAAAEAAABQAAAAAAAAAAAA4D8AAAAAAADgPwAAAAAAAOA/AAAAAAAA4D8AAAAAAADgPwAAAAAAAOA/AAAAAAAA4D8AAAAAAADgPwAAAAAAAOA/AAAAAAAA4D8CAAAAjAAAAAAAAAAAAAAARHLEDP///wgAAAAAAAAAAAAAAAAAAAAAAAAAAAAAAAAAAAAAZAAAAAEAAABAAAAAAAAAAAAAAAAAAAAAAAAAAAAAAAAAAAAAAAAAAAAAAAAAAAAAAAAAAAAAAAAAAAAAAAAAAAAAAAAAAAAAAAAAAAAAAAAAAAAAAAAAAAAAAAAAAAAAFAAAADwAAAAAAAAAAAAAAAAAAAkUAAAAAQAAABQAAAAUAAAAFAAAAAEAAAAAAAAAZAAAAGQAAAAAAAAAZAAAAGQAAAAVAAAAYAAAAAAAAAAAAAAADwAAACADAAAAAAAAAAAAAAEAAACgMgAAVgcAAKr4//8BAAAAf39/AAEAAABkAAAAAAAAABQAAABAHwAAAAAAACYAAAAAAAAAwOD//wAAAAAmAAAAZAAAABYAAABMAAAAAAAAAAAAAAAEAAAAAAAAAAEAAADn5uYKAAAAACgAAAAoAAAAZAAAAGQAAAAAAAAAzMzMAAAAAABQAAAAUAAAAGQAAABkAAAAAAAAAAcAAAA4AAAAAAAAAAAAAAAAAAAA////AAAAAAAAAAAAAAAAAAAAAAAAAAAAAAAAAAAAAABkAAAAZAAAAAAAAAAjAAAABAAAAGQAAAAXAAAAFAAAAAAAAAAAAAAA/38AAP9/AAAAAAAACQAAAAQAAAADAAAAHgAAAGgAAAAAAAAAAAAAAAAAAAAAAAAAAAAAABAnAAAQJwAAAAAAAAAAAAAAAAAAAAAAAAAAAAAAAAAAAAAAAAAAAAAUAAAAAAAAAMDA/wAAAAAAZAAAADIAAAAAAAAAZAAAAAAAAAB/f38ACgAAACIAAAAYAAAAAAAAAAAAAAAAAAAAAAAAAAAAAAAAAAAAJAAAACQAAAAAAAAABwAAAAAAAAAAAAAAAAAAAAAAAAAAAAAAAAAAAH9/fwAlAAAAWAAAAAAAAAAAAAAAAAAAAAAAAAAAAAAAAAAAAAAAAAAAAAAAAAAAAAAAAAAAAAAAPwAAAAAAAACghgEAAAAAAAAAAAAAAAAADAAAAAEAAAAAAAAAAAAAAAAAAAAfAAAAVAAAAERyxAX///8BAAAAAAAAAAAAAAAAAAAAAAAAAAAAAAAAAAAAAAAAAAAAAAACf39/AOfm5gPMzMwAwMD/AH9/fwAAAAAAAAAAAAAAAAD///8AAAAAACEAAAAYAAAAFAAAAEMUAACCDgAAvTYAAG4fAAAQAAAAJgAAAAgAAAD//////////w=="/>
+                <pr:smNativeData xmlns="smNativeData" xmlns:pr="smNativeData" xmlns:p15="http://schemas.microsoft.com/office/powerpoint/2012/main" xmlns:p14="http://schemas.microsoft.com/office/powerpoint/2010/main" xmlns:mc="http://schemas.openxmlformats.org/markup-compatibility/2006" val="SMDATA_17_q5OGZBMAAAAlAAAAEQAAAA0AAAAAkAAAAEgAAACQAAAASAAAAAAAAAAAAAAAAAAAAAEAAABQAAAAAAAAAAAA4D8AAAAAAADgPwAAAAAAAOA/AAAAAAAA4D8AAAAAAADgPwAAAAAAAOA/AAAAAAAA4D8AAAAAAADgPwAAAAAAAOA/AAAAAAAA4D8CAAAAjAAAAAAAAAAAAAAARHLEDP///wgAAAAAAAAAAAAAAAAAAAAAAAAAAAAAAAAAAAAAZAAAAAEAAABAAAAAAAAAAAAAAAAAAAAAAAAAAAAAAAAAAAAAAAAAAAAAAAAAAAAAAAAAAAAAAAAAAAAAAAAAAAAAAAAAAAAAAAAAAAAAAAAAAAAAAAAAAAAAAAAAAAAAFAAAADwAAAAAAAAAAAAAAAAAAAkUAAAAAQAAABQAAAAUAAAAFAAAAAEAAAAAAAAAZAAAAGQAAAAAAAAAZAAAAGQAAAAVAAAAYAAAAAAAAAAAAAAADwAAACADAAAAAAAAAAAAAAEAAACgMgAAVgcAAKr4//8BAAAAf39/AAEAAABkAAAAAAAAABQAAABAHwAAAAAAACYAAAAAAAAAwOD//wAAAAAmAAAAZAAAABYAAABMAAAAAAAAAAAAAAAEAAAAAAAAAAEAAADn5uYKAAAAACgAAAAoAAAAZAAAAGQAAAAAAAAAzMzMAAAAAABQAAAAUAAAAGQAAABkAAAAAAAAAAcAAAA4AAAAAAAAAAAAAAAAAAAA////AAAAAAAAAAAAAAAAAAAAAAAAAAAAAAAAAAAAAABkAAAAZAAAAAAAAAAjAAAABAAAAGQAAAAXAAAAFAAAAAAAAAAAAAAA/38AAP9/AAAAAAAACQAAAAQAAAADAAAAHgAAAGgAAAAAAAAAAAAAAAAAAAAAAAAAAAAAABAnAAAQJwAAAAAAAAAAAAAAAAAAAAAAAAAAAAAAAAAAAAAAAAAAAAAUAAAAAAAAAMDA/wAAAAAAZAAAADIAAAAAAAAAZAAAAAAAAAB/f38ACgAAACIAAAAYAAAAAAAAAAAAAAAAAAAAAAAAAAAAAAAAAAAAJAAAACQAAAAAAAAABwAAAAAAAAAAAAAAAAAAAAAAAAAAAAAAAAAAAH9/fwAlAAAAWAAAAAAAAAAAAAAAAAAAAAAAAAAAAAAAAAAAAAAAAAAAAAAAAAAAAAAAAAAAAAAAPwAAAAAAAACghgEAAAAAAAAAAAAAAAAADAAAAAEAAAAAAAAAAAAAAAAAAAAfAAAAVAAAAERyxAX///8BAAAAAAAAAAAAAAAAAAAAAAAAAAAAAAAAAAAAAAAAAAAAAAACf39/AOfm5gPMzMwAwMD/AH9/fwAAAAAAAAAAAAAAAAD///8AAAAAACEAAAAYAAAAFAAAAEMUAACCDgAAvTYAAG4fAAAQAAAAJgAAAAgAAAD//////////w=="/>
               </a:ext>
             </a:extLst>
           </p:cNvPicPr>
@@ -12129,7 +12070,7 @@
           <p:cNvSpPr>
             <a:extLst>
               <a:ext uri="smNativeData">
-                <pr:smNativeData xmlns:pr="smNativeData" xmlns="smNativeData" val="SMDATA_15_q5OGZBMAAAAlAAAAZAAAAE0AAAAAjgAAAEcAAACOAAAARwAAAAAAAAAAAAAAAAAAAAEAAABQAAAAAAAAAAAA4D8AAAAAAADgPwAAAAAAAOA/AAAAAAAA4D8AAAAAAADgPwAAAAAAAOA/AAAAAAAA4D8AAAAAAADgPwAAAAAAAOA/AAAAAAAA4D8CAAAAjAAAAAAAAAAAAAAARHLEDP///wgAAAAAAAAAAAAAAAAAAAAAAAAAAAAAAAAAAAAAZAAAAAEAAABAAAAAAAAAAAAAAAAAAAAAAAAAAAAAAAAAAAAAAAAAAAAAAAAAAAAAAAAAAAAAAAAAAAAAAAAAAAAAAAAAAAAAAAAAAAAAAAAAAAAAAAAAAAAAAAAAAAAAFAAAADwAAAAAAAAAAAAAAAAAAAkUAAAAAQAAABQAAAAUAAAAFAAAAAEAAAAAAAAAZAAAAGQAAAAAAAAAZAAAAGQAAAAVAAAAYAAAAAAAAAAAAAAADwAAACADAAAAAAAAAAAAAAEAAACgMgAAVgcAAKr4//8BAAAAf39/AAEAAABkAAAAAAAAABQAAABAHwAAAAAAACYAAAAAAAAAwOD//wAAAAAmAAAAZAAAABYAAABMAAAAAAAAAAAAAAAEAAAAAAAAAAEAAADn5uYKAAAAACgAAAAoAAAAZAAAAGQAAAAAAAAAzMzMAAAAAABQAAAAUAAAAGQAAABkAAAAAAAAABcAAAAUAAAAAAAAAAAAAAD/fwAA/38AAAAAAAAJAAAABAAAAKP///8eAAAAaAAAAAAAAAAAAAAAAAAAAAAAAAAAAAAAECcAABAnAAAAAAAAAAAAAAAAAAAAAAAAAAAAAAAAAAAAAAAAAAAAABQAAAAAAAAAwMD/AAAAAABkAAAAMgAAAAAAAABkAAAAAAAAAH9/fwAKAAAAIgAAABgAAAAAAAAAAAAAAAAAAAAAAAAAAAAAAAAAAAAkAAAAJAAAAAAAAAAHAAAAAAAAAAAAAAAAAAAAAAAAAAAAAAAAAAAAf39/ACUAAABYAAAAAAAAAAAAAAAAAAAAAAAAAAAAAAAAAAAAAAAAAAAAAAAAAAAAAAAAAAAAAAA/AAAAAAAAAKCGAQAAAAAAAAAAAAAAAAAMAAAAAQAAAAAAAAAAAAAAAAAAAB8AAABUAAAARHLEBf///wEAAAAAAAAAAAAAAAAAAAAAAAAAAAAAAAAAAAAAAAAAAAAAAAJ/f38A5+bmA8zMzADAwP8Af39/AAAAAAAAAAAAAAAAAAAAAAAAAAAAIQAAABgAAAAUAAAAbAQAAGMHAABYEQAAvAsAABAgAAAmAAAACAAAAP//////////"/>
+                <pr:smNativeData xmlns="smNativeData" xmlns:pr="smNativeData" xmlns:p15="http://schemas.microsoft.com/office/powerpoint/2012/main" xmlns:p14="http://schemas.microsoft.com/office/powerpoint/2010/main" xmlns:mc="http://schemas.openxmlformats.org/markup-compatibility/2006" val="SMDATA_15_q5OGZBMAAAAlAAAAZAAAAE0AAAAAjgAAAEcAAACOAAAARwAAAAAAAAAAAAAAAAAAAAEAAABQAAAAAAAAAAAA4D8AAAAAAADgPwAAAAAAAOA/AAAAAAAA4D8AAAAAAADgPwAAAAAAAOA/AAAAAAAA4D8AAAAAAADgPwAAAAAAAOA/AAAAAAAA4D8CAAAAjAAAAAAAAAAAAAAARHLEDP///wgAAAAAAAAAAAAAAAAAAAAAAAAAAAAAAAAAAAAAZAAAAAEAAABAAAAAAAAAAAAAAAAAAAAAAAAAAAAAAAAAAAAAAAAAAAAAAAAAAAAAAAAAAAAAAAAAAAAAAAAAAAAAAAAAAAAAAAAAAAAAAAAAAAAAAAAAAAAAAAAAAAAAFAAAADwAAAAAAAAAAAAAAAAAAAkUAAAAAQAAABQAAAAUAAAAFAAAAAEAAAAAAAAAZAAAAGQAAAAAAAAAZAAAAGQAAAAVAAAAYAAAAAAAAAAAAAAADwAAACADAAAAAAAAAAAAAAEAAACgMgAAVgcAAKr4//8BAAAAf39/AAEAAABkAAAAAAAAABQAAABAHwAAAAAAACYAAAAAAAAAwOD//wAAAAAmAAAAZAAAABYAAABMAAAAAAAAAAAAAAAEAAAAAAAAAAEAAADn5uYKAAAAACgAAAAoAAAAZAAAAGQAAAAAAAAAzMzMAAAAAABQAAAAUAAAAGQAAABkAAAAAAAAABcAAAAUAAAAAAAAAAAAAAD/fwAA/38AAAAAAAAJAAAABAAAAKP///8eAAAAaAAAAAAAAAAAAAAAAAAAAAAAAAAAAAAAECcAABAnAAAAAAAAAAAAAAAAAAAAAAAAAAAAAAAAAAAAAAAAAAAAABQAAAAAAAAAwMD/AAAAAABkAAAAMgAAAAAAAABkAAAAAAAAAH9/fwAKAAAAIgAAABgAAAAAAAAAAAAAAAAAAAAAAAAAAAAAAAAAAAAkAAAAJAAAAAAAAAAHAAAAAAAAAAAAAAAAAAAAAAAAAAAAAAAAAAAAf39/ACUAAABYAAAAAAAAAAAAAAAAAAAAAAAAAAAAAAAAAAAAAAAAAAAAAAAAAAAAAAAAAAAAAAA/AAAAAAAAAKCGAQAAAAAAAAAAAAAAAAAMAAAAAQAAAAAAAAAAAAAAAAAAAB8AAABUAAAARHLEBf///wEAAAAAAAAAAAAAAAAAAAAAAAAAAAAAAAAAAAAAAAAAAAAAAAJ/f38A5+bmA8zMzADAwP8Af39/AAAAAAAAAAAAAAAAAAAAAAAAAAAAIQAAABgAAAAUAAAAbAQAAGMHAABYEQAAvAsAABAgAAAmAAAACAAAAP//////////"/>
               </a:ext>
             </a:extLst>
           </p:cNvSpPr>
@@ -12159,8 +12100,8 @@
               </a:lnSpc>
               <a:defRPr lang="pt-br" cap="none">
                 <a:latin typeface="Arial" pitchFamily="2" charset="0"/>
-                <a:ea typeface="DejaVu Sans" pitchFamily="0" charset="0"/>
-                <a:cs typeface="DejaVu Sans" pitchFamily="0" charset="0"/>
+                <a:ea typeface="DejaVu Sans" charset="0"/>
+                <a:cs typeface="DejaVu Sans" charset="0"/>
               </a:defRPr>
             </a:pPr>
             <a:r>
@@ -12169,8 +12110,8 @@
                   <a:schemeClr val="bg1"/>
                 </a:solidFill>
                 <a:latin typeface="Calibri" pitchFamily="2" charset="0"/>
-                <a:ea typeface="DejaVu Sans" pitchFamily="0" charset="0"/>
-                <a:cs typeface="DejaVu Sans" pitchFamily="0" charset="0"/>
+                <a:ea typeface="DejaVu Sans" charset="0"/>
+                <a:cs typeface="DejaVu Sans" charset="0"/>
               </a:rPr>
               <a:t>Exemplo:</a:t>
             </a:r>
@@ -12188,7 +12129,7 @@
           <p:cNvSpPr>
             <a:extLst>
               <a:ext uri="smNativeData">
-                <pr:smNativeData xmlns:pr="smNativeData" xmlns="smNativeData" val="SMDATA_15_q5OGZBMAAAAlAAAAZAAAAA0AAAAAjgAAAEcAAACOAAAARwAAAAAAAAABAAAAAAAAAAEAAABQAAAAAAAAAAAA4D8AAAAAAADgPwAAAAAAAOA/AAAAAAAA4D8AAAAAAADgPwAAAAAAAOA/AAAAAAAA4D8AAAAAAADgPwAAAAAAAOA/AAAAAAAA4D8CAAAAjAAAAAEAAAAAAAAAIis1AP///wgAAAAAAAAAAAAAAAAAAAAAAAAAAAAAAAAAAAAAZAAAAAEAAABAAAAAAAAAAAAAAAAAAAAAAAAAAAAAAAAAAAAAAAAAAAAAAAAAAAAAAAAAAAAAAAAAAAAAAAAAAAAAAAAAAAAAAAAAAAAAAAAAAAAAAAAAAAAAAAAAAAAAFAAAADwAAAABAAAAAAAAAOfm5gooAAAAAQAAABQAAAAUAAAAFAAAAAEAAAAAAAAAZAAAAGQAAAAAAAAAZAAAAGQAAAAVAAAAYAAAAAAAAAAAAAAADwAAACADAAAAAAAAAAAAAAEAAACgMgAAVgcAAKr4//8BAAAAf39/AAEAAABkAAAAAAAAABQAAABAHwAAAAAAACYAAAAAAAAAwOD//wAAAAAmAAAAZAAAABYAAABMAAAAAAAAAAAAAAAEAAAAAAAAAAEAAADn5uYKAAAAACgAAAAoAAAAZAAAAGQAAAAAAAAAzMzMAAAAAABQAAAAUAAAAGQAAABkAAAAAAAAABcAAAAUAAAAAAAAAAAAAAD/fwAA/38AAAAAAAAJAAAABAAAAF8AYAAeAAAAaAAAAAAAAAAAAAAAAAAAAAAAAAAAAAAAECcAABAnAAAAAAAAAAAAAAAAAAAAAAAAAAAAAAAAAAAAAAAAAAAAABQAAAAAAAAAwMD/AAAAAABkAAAAMgAAAAAAAABkAAAAAAAAAH9/fwAKAAAAIgAAABgAAAAAAAAAAAAAAAAAAAAAAAAAAAAAAAAAAAAkAAAAJAAAAAAAAAAHAAAAAAAAAAAAAAAAAAAAAAAAAAAAAAAAAAAAf39/ACUAAABYAAAAAAAAAAAAAAAAAAAAAAAAAAAAAAAAAAAAAAAAAAAAAAAAAAAAAAAAAAAAAAA/AAAAAAAAAKCGAQAAAAAAAAAAAAAAAAAMAAAAAQAAAAAAAAAAAAAAAAAAAB8AAABUAAAAIis1AP///wEAAAAAAAAAAAAAAAAAAAAAAAAAAAAAAAAAAAAAAAAAAOfm5gN/f38A5+bmA8zMzADAwP8Af39/AAAAAAAAAAAAAAAAAAAAAAAAAAAAIQAAABgAAAAUAAAAQhQAAEkBAAC9NgAARAUAABAAAAAmAAAACAAAAP//////////"/>
+                <pr:smNativeData xmlns="smNativeData" xmlns:pr="smNativeData" xmlns:p15="http://schemas.microsoft.com/office/powerpoint/2012/main" xmlns:p14="http://schemas.microsoft.com/office/powerpoint/2010/main" xmlns:mc="http://schemas.openxmlformats.org/markup-compatibility/2006" val="SMDATA_15_q5OGZBMAAAAlAAAAZAAAAA0AAAAAjgAAAEcAAACOAAAARwAAAAAAAAABAAAAAAAAAAEAAABQAAAAAAAAAAAA4D8AAAAAAADgPwAAAAAAAOA/AAAAAAAA4D8AAAAAAADgPwAAAAAAAOA/AAAAAAAA4D8AAAAAAADgPwAAAAAAAOA/AAAAAAAA4D8CAAAAjAAAAAEAAAAAAAAAIis1AP///wgAAAAAAAAAAAAAAAAAAAAAAAAAAAAAAAAAAAAAZAAAAAEAAABAAAAAAAAAAAAAAAAAAAAAAAAAAAAAAAAAAAAAAAAAAAAAAAAAAAAAAAAAAAAAAAAAAAAAAAAAAAAAAAAAAAAAAAAAAAAAAAAAAAAAAAAAAAAAAAAAAAAAFAAAADwAAAABAAAAAAAAAOfm5gooAAAAAQAAABQAAAAUAAAAFAAAAAEAAAAAAAAAZAAAAGQAAAAAAAAAZAAAAGQAAAAVAAAAYAAAAAAAAAAAAAAADwAAACADAAAAAAAAAAAAAAEAAACgMgAAVgcAAKr4//8BAAAAf39/AAEAAABkAAAAAAAAABQAAABAHwAAAAAAACYAAAAAAAAAwOD//wAAAAAmAAAAZAAAABYAAABMAAAAAAAAAAAAAAAEAAAAAAAAAAEAAADn5uYKAAAAACgAAAAoAAAAZAAAAGQAAAAAAAAAzMzMAAAAAABQAAAAUAAAAGQAAABkAAAAAAAAABcAAAAUAAAAAAAAAAAAAAD/fwAA/38AAAAAAAAJAAAABAAAAF8AYAAeAAAAaAAAAAAAAAAAAAAAAAAAAAAAAAAAAAAAECcAABAnAAAAAAAAAAAAAAAAAAAAAAAAAAAAAAAAAAAAAAAAAAAAABQAAAAAAAAAwMD/AAAAAABkAAAAMgAAAAAAAABkAAAAAAAAAH9/fwAKAAAAIgAAABgAAAAAAAAAAAAAAAAAAAAAAAAAAAAAAAAAAAAkAAAAJAAAAAAAAAAHAAAAAAAAAAAAAAAAAAAAAAAAAAAAAAAAAAAAf39/ACUAAABYAAAAAAAAAAAAAAAAAAAAAAAAAAAAAAAAAAAAAAAAAAAAAAAAAAAAAAAAAAAAAAA/AAAAAAAAAKCGAQAAAAAAAAAAAAAAAAAMAAAAAQAAAAAAAAAAAAAAAAAAAB8AAABUAAAAIis1AP///wEAAAAAAAAAAAAAAAAAAAAAAAAAAAAAAAAAAAAAAAAAAOfm5gN/f38A5+bmA8zMzADAwP8Af39/AAAAAAAAAAAAAAAAAAAAAAAAAAAAIQAAABgAAAAUAAAAQhQAAEkBAAC9NgAARAUAABAAAAAmAAAACAAAAP//////////"/>
               </a:ext>
             </a:extLst>
           </p:cNvSpPr>
@@ -12225,8 +12166,8 @@
               </a:lnSpc>
               <a:defRPr lang="pt-br" cap="none">
                 <a:latin typeface="Arial" pitchFamily="2" charset="0"/>
-                <a:ea typeface="DejaVu Sans" pitchFamily="0" charset="0"/>
-                <a:cs typeface="DejaVu Sans" pitchFamily="0" charset="0"/>
+                <a:ea typeface="DejaVu Sans" charset="0"/>
+                <a:cs typeface="DejaVu Sans" charset="0"/>
               </a:defRPr>
             </a:pPr>
             <a:r>
@@ -12234,9 +12175,9 @@
                 <a:solidFill>
                   <a:srgbClr val="FFFFFF"/>
                 </a:solidFill>
-                <a:latin typeface="Montserrat" pitchFamily="0" charset="0"/>
-                <a:ea typeface="DejaVu Sans" pitchFamily="0" charset="0"/>
-                <a:cs typeface="DejaVu Sans" pitchFamily="0" charset="0"/>
+                <a:latin typeface="Montserrat" charset="0"/>
+                <a:ea typeface="DejaVu Sans" charset="0"/>
+                <a:cs typeface="DejaVu Sans" charset="0"/>
               </a:rPr>
               <a:t>Polimorfismo - Sobrecarga</a:t>
             </a:r>
@@ -12249,18 +12190,11 @@
   <p:clrMapOvr>
     <a:masterClrMapping/>
   </p:clrMapOvr>
-  <p:timing>
-    <p:tnLst>
-      <p:par>
-        <p:cTn id="1" dur="indefinite" restart="never" nodeType="tmRoot"/>
-      </p:par>
-    </p:tnLst>
-  </p:timing>
 </p:sld>
 </file>
 
 <file path=ppt/slides/slide15.xml><?xml version="1.0" encoding="utf-8"?>
-<p:sld xmlns:p="http://schemas.openxmlformats.org/presentationml/2006/main" xmlns:mc="http://schemas.openxmlformats.org/markup-compatibility/2006" xmlns:p14="http://schemas.microsoft.com/office/powerpoint/2010/main" xmlns:p15="http://schemas.microsoft.com/office/powerpoint/2012/main" xmlns:r="http://schemas.openxmlformats.org/officeDocument/2006/relationships" xmlns:a="http://schemas.openxmlformats.org/drawingml/2006/main" mc:Ignorable="p14">
+<p:sld xmlns:a="http://schemas.openxmlformats.org/drawingml/2006/main" xmlns:r="http://schemas.openxmlformats.org/officeDocument/2006/relationships" xmlns:p="http://schemas.openxmlformats.org/presentationml/2006/main">
   <p:cSld>
     <p:bg>
       <p:bgPr>
@@ -12290,7 +12224,7 @@
           <p:cNvSpPr>
             <a:extLst>
               <a:ext uri="smNativeData">
-                <pr:smNativeData xmlns:pr="smNativeData" xmlns="smNativeData" val="SMDATA_15_q5OGZBMAAAAlAAAAZAAAAA0AAAAAkAAAAEgAAACQAAAASAAAAAAAAAAAAAAAAAAAAAEAAABQAAAAAAAAAAAA4D8AAAAAAADgPwAAAAAAAOA/AAAAAAAA4D8AAAAAAADgPwAAAAAAAOA/AAAAAAAA4D8AAAAAAADgPwAAAAAAAOA/AAAAAAAA4D8CAAAAjAAAAAAAAAAAAAAARHLEDP///wgAAAAAAAAAAAAAAAAAAAAAAAAAAAAAAAAAAAAAZAAAAAEAAABAAAAAAAAAAAAAAAAAAAAAAAAAAAAAAAAAAAAAAAAAAAAAAAAAAAAAAAAAAAAAAAAAAAAAAAAAAAAAAAAAAAAAAAAAAAAAAAAAAAAAAAAAAAAAAAAAAAAAFAAAADwAAAAAAAAAAAAAAAAAAAkUAAAAAQAAABQAAAAUAAAAFAAAAAEAAAAAAAAAZAAAAGQAAAAAAAAAZAAAAGQAAAAVAAAAYAAAAAAAAAAAAAAADwAAACADAAAAAAAAAAAAAAEAAACgMgAAVgcAAKr4//8BAAAAf39/AAEAAABkAAAAAAAAABQAAABAHwAAAAAAACYAAAAAAAAAwOD//wAAAAAmAAAAZAAAABYAAABMAAAAAAAAAAAAAAAEAAAAAAAAAAEAAADn5uYKAAAAACgAAAAoAAAAZAAAAGQAAAAAAAAAzMzMAAAAAABQAAAAUAAAAGQAAABkAAAAAAAAABcAAAAUAAAAAAAAAAAAAAD/fwAA/38AAAAAAAAJAAAABAAAAJhGCV0eAAAAaAAAAAAAAAAAAAAAAAAAAAAAAAAAAAAAECcAABAnAAAAAAAAAAAAAAAAAAAAAAAAAAAAAAAAAAAAAAAAAAAAABQAAAAAAAAAwMD/AAAAAABkAAAAMgAAAAAAAABkAAAAAAAAAH9/fwAKAAAAIgAAABgAAAAAAAAAAAAAAAAAAAAAAAAAAAAAAAAAAAAkAAAAJAAAAAAAAAAHAAAAAAAAAAAAAAAAAAAAAAAAAAAAAAAAAAAAf39/ACUAAABYAAAAAAAAAAAAAAAAAAAAAAAAAAAAAAAAAAAAAAAAAAAAAAAAAAAAAAAAAAAAAAA/AAAAAAAAAKCGAQAAAAAAAAAAAAAAAAAMAAAAAQAAAAAAAAAAAAAAAAAAAB8AAABUAAAARHLEBf///wEAAAAAAAAAAAAAAAAAAAAAAAAAAAAAAAAAAAAAAAAAAAAAAAJ/f38A5+bmA8zMzADAwP8Af39/AAAAAAAAAAAAAAAAAAAAAAAAAAAAIQAAABgAAAAUAAAAKAUAAJ8BAADXRQAAxQkAABAAAAAmAAAACAAAAP//////////"/>
+                <pr:smNativeData xmlns="smNativeData" xmlns:pr="smNativeData" xmlns:p15="http://schemas.microsoft.com/office/powerpoint/2012/main" xmlns:p14="http://schemas.microsoft.com/office/powerpoint/2010/main" xmlns:mc="http://schemas.openxmlformats.org/markup-compatibility/2006" val="SMDATA_15_q5OGZBMAAAAlAAAAZAAAAA0AAAAAkAAAAEgAAACQAAAASAAAAAAAAAAAAAAAAAAAAAEAAABQAAAAAAAAAAAA4D8AAAAAAADgPwAAAAAAAOA/AAAAAAAA4D8AAAAAAADgPwAAAAAAAOA/AAAAAAAA4D8AAAAAAADgPwAAAAAAAOA/AAAAAAAA4D8CAAAAjAAAAAAAAAAAAAAARHLEDP///wgAAAAAAAAAAAAAAAAAAAAAAAAAAAAAAAAAAAAAZAAAAAEAAABAAAAAAAAAAAAAAAAAAAAAAAAAAAAAAAAAAAAAAAAAAAAAAAAAAAAAAAAAAAAAAAAAAAAAAAAAAAAAAAAAAAAAAAAAAAAAAAAAAAAAAAAAAAAAAAAAAAAAFAAAADwAAAAAAAAAAAAAAAAAAAkUAAAAAQAAABQAAAAUAAAAFAAAAAEAAAAAAAAAZAAAAGQAAAAAAAAAZAAAAGQAAAAVAAAAYAAAAAAAAAAAAAAADwAAACADAAAAAAAAAAAAAAEAAACgMgAAVgcAAKr4//8BAAAAf39/AAEAAABkAAAAAAAAABQAAABAHwAAAAAAACYAAAAAAAAAwOD//wAAAAAmAAAAZAAAABYAAABMAAAAAAAAAAAAAAAEAAAAAAAAAAEAAADn5uYKAAAAACgAAAAoAAAAZAAAAGQAAAAAAAAAzMzMAAAAAABQAAAAUAAAAGQAAABkAAAAAAAAABcAAAAUAAAAAAAAAAAAAAD/fwAA/38AAAAAAAAJAAAABAAAAJhGCV0eAAAAaAAAAAAAAAAAAAAAAAAAAAAAAAAAAAAAECcAABAnAAAAAAAAAAAAAAAAAAAAAAAAAAAAAAAAAAAAAAAAAAAAABQAAAAAAAAAwMD/AAAAAABkAAAAMgAAAAAAAABkAAAAAAAAAH9/fwAKAAAAIgAAABgAAAAAAAAAAAAAAAAAAAAAAAAAAAAAAAAAAAAkAAAAJAAAAAAAAAAHAAAAAAAAAAAAAAAAAAAAAAAAAAAAAAAAAAAAf39/ACUAAABYAAAAAAAAAAAAAAAAAAAAAAAAAAAAAAAAAAAAAAAAAAAAAAAAAAAAAAAAAAAAAAA/AAAAAAAAAKCGAQAAAAAAAAAAAAAAAAAMAAAAAQAAAAAAAAAAAAAAAAAAAB8AAABUAAAARHLEBf///wEAAAAAAAAAAAAAAAAAAAAAAAAAAAAAAAAAAAAAAAAAAAAAAAJ/f38A5+bmA8zMzADAwP8Af39/AAAAAAAAAAAAAAAAAAAAAAAAAAAAIQAAABgAAAAUAAAAKAUAAJ8BAADXRQAAxQkAABAAAAAmAAAACAAAAP//////////"/>
               </a:ext>
             </a:extLst>
           </p:cNvSpPr>
@@ -12317,7 +12251,7 @@
           <p:cNvSpPr>
             <a:extLst>
               <a:ext uri="smNativeData">
-                <pr:smNativeData xmlns:pr="smNativeData" xmlns="smNativeData" val="SMDATA_15_q5OGZBMAAAAlAAAAqgAAAA0AAAAAkAAAAEgAAACQAAAASAAAAAAAAAAAAAAAAAAAAAEAAABQAAAAda9fBcX/xz8AAAAAAADgPwAAAAAAAOA/AAAAAAAA4D8AAAAAAADgPwAAAAAAAOA/AAAAAAAA4D8AAAAAAADgPwAAAAAAAOA/AAAAAAAA4D8CAAAAjAAAAAEAAAAAAAAANEBQAP///wgAAAAAAAAAAAAAAAAAAAAAAAAAAAAAAAAAAAAAZAAAAAEAAABAAAAAAAAAAAAAAAAAAAAAAAAAAAAAAAAAAAAAAAAAAAAAAAAAAAAAAAAAAAAAAAAAAAAAAAAAAAAAAAAAAAAAAAAAAAAAAAAAAAAAAAAAAAAAAAAAAAAAFAAAADwAAAABAAAAAAAAAP///wgoAAAAAQAAABQAAAAUAAAAFAAAAAEAAAAAAAAAZAAAAGQAAAAAAAAAZAAAAGQAAAAVAAAAYAAAAAAAAAAAAAAADwAAACADAAAAAAAAAAAAAAEAAACgMgAAVgcAAKr4//8BAAAAf39/AAEAAABkAAAAAAAAABQAAABAHwAAAAAAACYAAAAAAAAAwOD//wAAAAAmAAAAZAAAABYAAABMAAAAAAAAAAAAAAAEAAAAAAAAAAEAAADn5uYKAAAAACgAAAAoAAAAZAAAAGQAAAAAAAAAzMzMAAAAAABQAAAAUAAAAGQAAABkAAAAAAAAABcAAAAUAAAAAAAAAAAAAAD/fwAA/38AAAAAAAAJAAAABAAAAICAgIAeAAAAaAAAAAAAAAAAAAAAAAAAAAAAAAAAAAAAECcAABAnAAAAAAAAAAAAAAAAAAAAAAAAAAAAAAAAAAAAAAAAAAAAABQAAAAAAAAAwMD/AAAAAABkAAAAMgAAAAAAAABkAAAAAAAAAH9/fwAKAAAAIgAAABgAAAAAAAAAAAAAAAAAAAAAAAAAAAAAAAAAAAAkAAAAJAAAAAAAAAAHAAAAAAAAAAAAAAAAAAAAAAAAAAAAAAAAAAAAf39/ACUAAABYAAAAAAAAAAAAAAAAAAAAAAAAAAAAAAAAAAAAAAAAAAAAAAAAAAAAAAAAAAAAAAA/AAAAAAAAAKCGAQAAAAAAAAAAAAAAAAAMAAAAAQAAAAAAAAAAAAAAAAAAAB8AAABUAAAANEBQAP///wEAAAAAAAAAAAAAAAAAAAAAAAAAAAAAAAAAAAAAAAAAAP///wF/f38A5+bmA8zMzADAwP8Af39/AAAAAAAAAAAAAAAAAAAAAAAAAAAAIQAAABgAAAAUAAAAAAAAAAEAAAD/SgAALyoAABAAAAAmAAAACAAAAP//////////"/>
+                <pr:smNativeData xmlns="smNativeData" xmlns:pr="smNativeData" xmlns:p15="http://schemas.microsoft.com/office/powerpoint/2012/main" xmlns:p14="http://schemas.microsoft.com/office/powerpoint/2010/main" xmlns:mc="http://schemas.openxmlformats.org/markup-compatibility/2006" val="SMDATA_15_q5OGZBMAAAAlAAAAqgAAAA0AAAAAkAAAAEgAAACQAAAASAAAAAAAAAAAAAAAAAAAAAEAAABQAAAAda9fBcX/xz8AAAAAAADgPwAAAAAAAOA/AAAAAAAA4D8AAAAAAADgPwAAAAAAAOA/AAAAAAAA4D8AAAAAAADgPwAAAAAAAOA/AAAAAAAA4D8CAAAAjAAAAAEAAAAAAAAANEBQAP///wgAAAAAAAAAAAAAAAAAAAAAAAAAAAAAAAAAAAAAZAAAAAEAAABAAAAAAAAAAAAAAAAAAAAAAAAAAAAAAAAAAAAAAAAAAAAAAAAAAAAAAAAAAAAAAAAAAAAAAAAAAAAAAAAAAAAAAAAAAAAAAAAAAAAAAAAAAAAAAAAAAAAAFAAAADwAAAABAAAAAAAAAP///wgoAAAAAQAAABQAAAAUAAAAFAAAAAEAAAAAAAAAZAAAAGQAAAAAAAAAZAAAAGQAAAAVAAAAYAAAAAAAAAAAAAAADwAAACADAAAAAAAAAAAAAAEAAACgMgAAVgcAAKr4//8BAAAAf39/AAEAAABkAAAAAAAAABQAAABAHwAAAAAAACYAAAAAAAAAwOD//wAAAAAmAAAAZAAAABYAAABMAAAAAAAAAAAAAAAEAAAAAAAAAAEAAADn5uYKAAAAACgAAAAoAAAAZAAAAGQAAAAAAAAAzMzMAAAAAABQAAAAUAAAAGQAAABkAAAAAAAAABcAAAAUAAAAAAAAAAAAAAD/fwAA/38AAAAAAAAJAAAABAAAAICAgIAeAAAAaAAAAAAAAAAAAAAAAAAAAAAAAAAAAAAAECcAABAnAAAAAAAAAAAAAAAAAAAAAAAAAAAAAAAAAAAAAAAAAAAAABQAAAAAAAAAwMD/AAAAAABkAAAAMgAAAAAAAABkAAAAAAAAAH9/fwAKAAAAIgAAABgAAAAAAAAAAAAAAAAAAAAAAAAAAAAAAAAAAAAkAAAAJAAAAAAAAAAHAAAAAAAAAAAAAAAAAAAAAAAAAAAAAAAAAAAAf39/ACUAAABYAAAAAAAAAAAAAAAAAAAAAAAAAAAAAAAAAAAAAAAAAAAAAAAAAAAAAAAAAAAAAAA/AAAAAAAAAKCGAQAAAAAAAAAAAAAAAAAMAAAAAQAAAAAAAAAAAAAAAAAAAB8AAABUAAAANEBQAP///wEAAAAAAAAAAAAAAAAAAAAAAAAAAAAAAAAAAAAAAAAAAP///wF/f38A5+bmA8zMzADAwP8Af39/AAAAAAAAAAAAAAAAAAAAAAAAAAAAIQAAABgAAAAUAAAAAAAAAAEAAAD/SgAALyoAABAAAAAmAAAACAAAAP//////////"/>
               </a:ext>
             </a:extLst>
           </p:cNvSpPr>
@@ -12353,7 +12287,7 @@
           <p:cNvSpPr>
             <a:extLst>
               <a:ext uri="smNativeData">
-                <pr:smNativeData xmlns:pr="smNativeData" xmlns="smNativeData" val="SMDATA_15_q5OGZBMAAAAlAAAAZAAAAE0AAAAAjgAAAEcAAACOAAAARwAAAAAAAAAAAAAAAAAAAAEAAABQAAAAAAAAAAAA4D8AAAAAAADgPwAAAAAAAOA/AAAAAAAA4D8AAAAAAADgPwAAAAAAAOA/AAAAAAAA4D8AAAAAAADgPwAAAAAAAOA/AAAAAAAA4D8CAAAAjAAAAAAAAAAAAAAARHLEDP///wgAAAAAAAAAAAAAAAAAAAAAAAAAAAAAAAAAAAAAZAAAAAEAAABAAAAAAAAAAAAAAAAAAAAAAAAAAAAAAAAAAAAAAAAAAAAAAAAAAAAAAAAAAAAAAAAAAAAAAAAAAAAAAAAAAAAAAAAAAAAAAAAAAAAAAAAAAAAAAAAAAAAAFAAAADwAAAAAAAAAAAAAAAAAAAkUAAAAAQAAABQAAAAUAAAAFAAAAAEAAAAAAAAAZAAAAGQAAAAAAAAAZAAAAGQAAAAVAAAAYAAAAAAAAAAAAAAADwAAACADAAAAAAAAAAAAAAEAAACgMgAAVgcAAKr4//8BAAAAf39/AAEAAABkAAAAAAAAABQAAABAHwAAAAAAACYAAAAAAAAAwOD//wAAAAAmAAAAZAAAABYAAABMAAAAAAAAAAAAAAAEAAAAAAAAAAEAAADn5uYKAAAAACgAAAAoAAAAZAAAAGQAAAAAAAAAzMzMAAAAAABQAAAAUAAAAGQAAABkAAAAAAAAABcAAAAUAAAAAAAAAAAAAAD/fwAA/38AAAAAAAAJAAAABAAAAF8AYAAeAAAAaAAAAAAAAAAAAAAAAAAAAAAAAAAAAAAAECcAABAnAAAAAAAAAAAAAAAAAAAAAAAAAAAAAAAAAAAAAAAAAAAAABQAAAAAAAAAwMD/AAAAAABkAAAAMgAAAAAAAABkAAAAAAAAAH9/fwAKAAAAIgAAABgAAAAAAAAAAAAAAAAAAAAAAAAAAAAAAAAAAAAkAAAAJAAAAAAAAAAHAAAAAAAAAAAAAAAAAAAAAAAAAAAAAAAAAAAAf39/ACUAAABYAAAAAAAAAAAAAAAAAAAAAAAAAAAAAAAAAAAAAAAAAAAAAAAAAAAAAAAAAAAAAAA/AAAAAAAAAKCGAQAAAAAAAAAAAAAAAAAMAAAAAQAAAAAAAAAAAAAAAAAAAB8AAABUAAAARHLEBf///wEAAAAAAAAAAAAAAAAAAAAAAAAAAAAAAAAAAAAAAAAAAAAAAAJ/f38A5+bmA8zMzADAwP8Af39/AAAAAAAAAAAAAAAAAAAAAAAAAAAAIQAAABgAAAAUAAAAOhIAAKcIAAAPOwAAGSkAABAgAAAmAAAACAAAAP//////////"/>
+                <pr:smNativeData xmlns="smNativeData" xmlns:pr="smNativeData" xmlns:p15="http://schemas.microsoft.com/office/powerpoint/2012/main" xmlns:p14="http://schemas.microsoft.com/office/powerpoint/2010/main" xmlns:mc="http://schemas.openxmlformats.org/markup-compatibility/2006" val="SMDATA_15_q5OGZBMAAAAlAAAAZAAAAE0AAAAAjgAAAEcAAACOAAAARwAAAAAAAAAAAAAAAAAAAAEAAABQAAAAAAAAAAAA4D8AAAAAAADgPwAAAAAAAOA/AAAAAAAA4D8AAAAAAADgPwAAAAAAAOA/AAAAAAAA4D8AAAAAAADgPwAAAAAAAOA/AAAAAAAA4D8CAAAAjAAAAAAAAAAAAAAARHLEDP///wgAAAAAAAAAAAAAAAAAAAAAAAAAAAAAAAAAAAAAZAAAAAEAAABAAAAAAAAAAAAAAAAAAAAAAAAAAAAAAAAAAAAAAAAAAAAAAAAAAAAAAAAAAAAAAAAAAAAAAAAAAAAAAAAAAAAAAAAAAAAAAAAAAAAAAAAAAAAAAAAAAAAAFAAAADwAAAAAAAAAAAAAAAAAAAkUAAAAAQAAABQAAAAUAAAAFAAAAAEAAAAAAAAAZAAAAGQAAAAAAAAAZAAAAGQAAAAVAAAAYAAAAAAAAAAAAAAADwAAACADAAAAAAAAAAAAAAEAAACgMgAAVgcAAKr4//8BAAAAf39/AAEAAABkAAAAAAAAABQAAABAHwAAAAAAACYAAAAAAAAAwOD//wAAAAAmAAAAZAAAABYAAABMAAAAAAAAAAAAAAAEAAAAAAAAAAEAAADn5uYKAAAAACgAAAAoAAAAZAAAAGQAAAAAAAAAzMzMAAAAAABQAAAAUAAAAGQAAABkAAAAAAAAABcAAAAUAAAAAAAAAAAAAAD/fwAA/38AAAAAAAAJAAAABAAAAF8AYAAeAAAAaAAAAAAAAAAAAAAAAAAAAAAAAAAAAAAAECcAABAnAAAAAAAAAAAAAAAAAAAAAAAAAAAAAAAAAAAAAAAAAAAAABQAAAAAAAAAwMD/AAAAAABkAAAAMgAAAAAAAABkAAAAAAAAAH9/fwAKAAAAIgAAABgAAAAAAAAAAAAAAAAAAAAAAAAAAAAAAAAAAAAkAAAAJAAAAAAAAAAHAAAAAAAAAAAAAAAAAAAAAAAAAAAAAAAAAAAAf39/ACUAAABYAAAAAAAAAAAAAAAAAAAAAAAAAAAAAAAAAAAAAAAAAAAAAAAAAAAAAAAAAAAAAAA/AAAAAAAAAKCGAQAAAAAAAAAAAAAAAAAMAAAAAQAAAAAAAAAAAAAAAAAAAB8AAABUAAAARHLEBf///wEAAAAAAAAAAAAAAAAAAAAAAAAAAAAAAAAAAAAAAAAAAAAAAAJ/f38A5+bmA8zMzADAwP8Af39/AAAAAAAAAAAAAAAAAAAAAAAAAAAAIQAAABgAAAAUAAAAOhIAAKcIAAAPOwAAGSkAABAgAAAmAAAACAAAAP//////////"/>
               </a:ext>
             </a:extLst>
           </p:cNvSpPr>
@@ -12383,8 +12317,8 @@
               </a:lnSpc>
               <a:defRPr lang="pt-br" cap="none">
                 <a:latin typeface="Arial" pitchFamily="2" charset="0"/>
-                <a:ea typeface="DejaVu Sans" pitchFamily="0" charset="0"/>
-                <a:cs typeface="DejaVu Sans" pitchFamily="0" charset="0"/>
+                <a:ea typeface="DejaVu Sans" charset="0"/>
+                <a:cs typeface="DejaVu Sans" charset="0"/>
               </a:defRPr>
             </a:pPr>
             <a:r>
@@ -12392,9 +12326,9 @@
                 <a:solidFill>
                   <a:srgbClr val="D1D5DB"/>
                 </a:solidFill>
-                <a:latin typeface="Söhne" pitchFamily="0" charset="0"/>
-                <a:ea typeface="DejaVu Sans" pitchFamily="0" charset="0"/>
-                <a:cs typeface="DejaVu Sans" pitchFamily="0" charset="0"/>
+                <a:latin typeface="Söhne" charset="0"/>
+                <a:ea typeface="DejaVu Sans" charset="0"/>
+                <a:cs typeface="DejaVu Sans" charset="0"/>
               </a:rPr>
               <a:t>Sobreposição (Overriding): A sobreposição ocorre quando uma classe derivada (subclasse) substitui um método da classe base (superclasse) com a mesma assinatura (nome e parâmetros). A classe derivada fornece uma implementação diferente do método, que é específica para a própria classe derivada. A sobreposição permite que a classe derivada modifique ou estenda o comportamento do método herdado da classe base.</a:t>
             </a:r>
@@ -12407,8 +12341,8 @@
               </a:lnSpc>
               <a:defRPr lang="pt-br" cap="none">
                 <a:latin typeface="Arial" pitchFamily="2" charset="0"/>
-                <a:ea typeface="DejaVu Sans" pitchFamily="0" charset="0"/>
-                <a:cs typeface="DejaVu Sans" pitchFamily="0" charset="0"/>
+                <a:ea typeface="DejaVu Sans" charset="0"/>
+                <a:cs typeface="DejaVu Sans" charset="0"/>
               </a:defRPr>
             </a:pPr>
             <a:r>
@@ -12416,9 +12350,9 @@
                 <a:solidFill>
                   <a:srgbClr val="D1D5DB"/>
                 </a:solidFill>
-                <a:latin typeface="Söhne" pitchFamily="0" charset="0"/>
-                <a:ea typeface="DejaVu Sans" pitchFamily="0" charset="0"/>
-                <a:cs typeface="DejaVu Sans" pitchFamily="0" charset="0"/>
+                <a:latin typeface="Söhne" charset="0"/>
+                <a:ea typeface="DejaVu Sans" charset="0"/>
+                <a:cs typeface="DejaVu Sans" charset="0"/>
               </a:rPr>
               <a:t>Quando um método é chamado em um objeto da classe derivada, a implementação do método na classe derivada é executada em vez da implementação na classe base. Isso permite que objetos de diferentes classes respondam de maneira diferente à mesma chamada de método, dependendo da classe real do objeto.</a:t>
             </a:r>
@@ -12431,8 +12365,8 @@
               </a:lnSpc>
               <a:defRPr lang="pt-br" cap="none">
                 <a:latin typeface="Arial" pitchFamily="2" charset="0"/>
-                <a:ea typeface="DejaVu Sans" pitchFamily="0" charset="0"/>
-                <a:cs typeface="DejaVu Sans" pitchFamily="0" charset="0"/>
+                <a:ea typeface="DejaVu Sans" charset="0"/>
+                <a:cs typeface="DejaVu Sans" charset="0"/>
               </a:defRPr>
             </a:pPr>
             <a:endParaRPr lang="pt-br" sz="2000" cap="none"/>
@@ -12445,7 +12379,7 @@
           <p:cNvSpPr>
             <a:extLst>
               <a:ext uri="smNativeData">
-                <pr:smNativeData xmlns:pr="smNativeData" xmlns="smNativeData" val="SMDATA_15_q5OGZBMAAAAlAAAAZAAAAA0AAAAAjgAAAEcAAACOAAAARwAAAAAAAAABAAAAAAAAAAEAAABQAAAAAAAAAAAA4D8AAAAAAADgPwAAAAAAAOA/AAAAAAAA4D8AAAAAAADgPwAAAAAAAOA/AAAAAAAA4D8AAAAAAADgPwAAAAAAAOA/AAAAAAAA4D8CAAAAjAAAAAEAAAAAAAAAIis1AP///wgAAAAAAAAAAAAAAAAAAAAAAAAAAAAAAAAAAAAAZAAAAAEAAABAAAAAAAAAAAAAAAAAAAAAAAAAAAAAAAAAAAAAAAAAAAAAAAAAAAAAAAAAAAAAAAAAAAAAAAAAAAAAAAAAAAAAAAAAAAAAAAAAAAAAAAAAAAAAAAAAAAAAFAAAADwAAAABAAAAAAAAAOfm5gooAAAAAQAAABQAAAAUAAAAFAAAAAEAAAAAAAAAZAAAAGQAAAAAAAAAZAAAAGQAAAAVAAAAYAAAAAAAAAAAAAAADwAAACADAAAAAAAAAAAAAAEAAACgMgAAVgcAAKr4//8BAAAAf39/AAEAAABkAAAAAAAAABQAAABAHwAAAAAAACYAAAAAAAAAwOD//wAAAAAmAAAAZAAAABYAAABMAAAAAAAAAAAAAAAEAAAAAAAAAAEAAADn5uYKAAAAACgAAAAoAAAAZAAAAGQAAAAAAAAAzMzMAAAAAABQAAAAUAAAAGQAAABkAAAAAAAAABcAAAAUAAAAAAAAAAAAAAD/fwAA/38AAAAAAAAJAAAABAAAABcXFxceAAAAaAAAAAAAAAAAAAAAAAAAAAAAAAAAAAAAECcAABAnAAAAAAAAAAAAAAAAAAAAAAAAAAAAAAAAAAAAAAAAAAAAABQAAAAAAAAAwMD/AAAAAABkAAAAMgAAAAAAAABkAAAAAAAAAH9/fwAKAAAAIgAAABgAAAAAAAAAAAAAAAAAAAAAAAAAAAAAAAAAAAAkAAAAJAAAAAAAAAAHAAAAAAAAAAAAAAAAAAAAAAAAAAAAAAAAAAAAf39/ACUAAABYAAAAAAAAAAAAAAAAAAAAAAAAAAAAAAAAAAAAAAAAAAAAAAAAAAAAAAAAAAAAAAA/AAAAAAAAAKCGAQAAAAAAAAAAAAAAAAAMAAAAAQAAAAAAAAAAAAAAAAAAAB8AAABUAAAAIis1AP///wEAAAAAAAAAAAAAAAAAAAAAAAAAAAAAAAAAAAAAAAAAAOfm5gN/f38A5+bmA8zMzADAwP8Af39/AAAAAAAAAAAAAAAAAAAAAAAAAAAAIQAAABgAAAAUAAAAQhQAAEkBAAC9NgAARAUAABAAAAAmAAAACAAAAP//////////"/>
+                <pr:smNativeData xmlns="smNativeData" xmlns:pr="smNativeData" xmlns:p15="http://schemas.microsoft.com/office/powerpoint/2012/main" xmlns:p14="http://schemas.microsoft.com/office/powerpoint/2010/main" xmlns:mc="http://schemas.openxmlformats.org/markup-compatibility/2006" val="SMDATA_15_q5OGZBMAAAAlAAAAZAAAAA0AAAAAjgAAAEcAAACOAAAARwAAAAAAAAABAAAAAAAAAAEAAABQAAAAAAAAAAAA4D8AAAAAAADgPwAAAAAAAOA/AAAAAAAA4D8AAAAAAADgPwAAAAAAAOA/AAAAAAAA4D8AAAAAAADgPwAAAAAAAOA/AAAAAAAA4D8CAAAAjAAAAAEAAAAAAAAAIis1AP///wgAAAAAAAAAAAAAAAAAAAAAAAAAAAAAAAAAAAAAZAAAAAEAAABAAAAAAAAAAAAAAAAAAAAAAAAAAAAAAAAAAAAAAAAAAAAAAAAAAAAAAAAAAAAAAAAAAAAAAAAAAAAAAAAAAAAAAAAAAAAAAAAAAAAAAAAAAAAAAAAAAAAAFAAAADwAAAABAAAAAAAAAOfm5gooAAAAAQAAABQAAAAUAAAAFAAAAAEAAAAAAAAAZAAAAGQAAAAAAAAAZAAAAGQAAAAVAAAAYAAAAAAAAAAAAAAADwAAACADAAAAAAAAAAAAAAEAAACgMgAAVgcAAKr4//8BAAAAf39/AAEAAABkAAAAAAAAABQAAABAHwAAAAAAACYAAAAAAAAAwOD//wAAAAAmAAAAZAAAABYAAABMAAAAAAAAAAAAAAAEAAAAAAAAAAEAAADn5uYKAAAAACgAAAAoAAAAZAAAAGQAAAAAAAAAzMzMAAAAAABQAAAAUAAAAGQAAABkAAAAAAAAABcAAAAUAAAAAAAAAAAAAAD/fwAA/38AAAAAAAAJAAAABAAAABcXFxceAAAAaAAAAAAAAAAAAAAAAAAAAAAAAAAAAAAAECcAABAnAAAAAAAAAAAAAAAAAAAAAAAAAAAAAAAAAAAAAAAAAAAAABQAAAAAAAAAwMD/AAAAAABkAAAAMgAAAAAAAABkAAAAAAAAAH9/fwAKAAAAIgAAABgAAAAAAAAAAAAAAAAAAAAAAAAAAAAAAAAAAAAkAAAAJAAAAAAAAAAHAAAAAAAAAAAAAAAAAAAAAAAAAAAAAAAAAAAAf39/ACUAAABYAAAAAAAAAAAAAAAAAAAAAAAAAAAAAAAAAAAAAAAAAAAAAAAAAAAAAAAAAAAAAAA/AAAAAAAAAKCGAQAAAAAAAAAAAAAAAAAMAAAAAQAAAAAAAAAAAAAAAAAAAB8AAABUAAAAIis1AP///wEAAAAAAAAAAAAAAAAAAAAAAAAAAAAAAAAAAAAAAAAAAOfm5gN/f38A5+bmA8zMzADAwP8Af39/AAAAAAAAAAAAAAAAAAAAAAAAAAAAIQAAABgAAAAUAAAAQhQAAEkBAAC9NgAARAUAABAAAAAmAAAACAAAAP//////////"/>
               </a:ext>
             </a:extLst>
           </p:cNvSpPr>
@@ -12482,8 +12416,8 @@
               </a:lnSpc>
               <a:defRPr lang="pt-br" cap="none">
                 <a:latin typeface="Arial" pitchFamily="2" charset="0"/>
-                <a:ea typeface="DejaVu Sans" pitchFamily="0" charset="0"/>
-                <a:cs typeface="DejaVu Sans" pitchFamily="0" charset="0"/>
+                <a:ea typeface="DejaVu Sans" charset="0"/>
+                <a:cs typeface="DejaVu Sans" charset="0"/>
               </a:defRPr>
             </a:pPr>
             <a:r>
@@ -12491,9 +12425,9 @@
                 <a:solidFill>
                   <a:srgbClr val="FFFFFF"/>
                 </a:solidFill>
-                <a:latin typeface="Montserrat" pitchFamily="0" charset="0"/>
-                <a:ea typeface="DejaVu Sans" pitchFamily="0" charset="0"/>
-                <a:cs typeface="DejaVu Sans" pitchFamily="0" charset="0"/>
+                <a:latin typeface="Montserrat" charset="0"/>
+                <a:ea typeface="DejaVu Sans" charset="0"/>
+                <a:cs typeface="DejaVu Sans" charset="0"/>
               </a:rPr>
               <a:t>Polimorfismo - Sobreposição</a:t>
             </a:r>
@@ -12506,18 +12440,11 @@
   <p:clrMapOvr>
     <a:masterClrMapping/>
   </p:clrMapOvr>
-  <p:timing>
-    <p:tnLst>
-      <p:par>
-        <p:cTn id="1" dur="indefinite" restart="never" nodeType="tmRoot"/>
-      </p:par>
-    </p:tnLst>
-  </p:timing>
 </p:sld>
 </file>
 
 <file path=ppt/slides/slide16.xml><?xml version="1.0" encoding="utf-8"?>
-<p:sld xmlns:p="http://schemas.openxmlformats.org/presentationml/2006/main" xmlns:mc="http://schemas.openxmlformats.org/markup-compatibility/2006" xmlns:p14="http://schemas.microsoft.com/office/powerpoint/2010/main" xmlns:p15="http://schemas.microsoft.com/office/powerpoint/2012/main" xmlns:r="http://schemas.openxmlformats.org/officeDocument/2006/relationships" xmlns:a="http://schemas.openxmlformats.org/drawingml/2006/main" mc:Ignorable="p14">
+<p:sld xmlns:a="http://schemas.openxmlformats.org/drawingml/2006/main" xmlns:r="http://schemas.openxmlformats.org/officeDocument/2006/relationships" xmlns:p="http://schemas.openxmlformats.org/presentationml/2006/main">
   <p:cSld>
     <p:bg>
       <p:bgPr>
@@ -12547,7 +12474,7 @@
           <p:cNvSpPr>
             <a:extLst>
               <a:ext uri="smNativeData">
-                <pr:smNativeData xmlns:pr="smNativeData" xmlns="smNativeData" val="SMDATA_15_q5OGZBMAAAAlAAAAqgAAAA0AAAAAkAAAAEgAAACQAAAASAAAAAAAAAAAAAAAAAAAAAEAAABQAAAAda9fBcX/xz8AAAAAAADgPwAAAAAAAOA/AAAAAAAA4D8AAAAAAADgPwAAAAAAAOA/AAAAAAAA4D8AAAAAAADgPwAAAAAAAOA/AAAAAAAA4D8CAAAAjAAAAAEAAAAAAAAANEBQAP///wgAAAAAAAAAAAAAAAAAAAAAAAAAAAAAAAAAAAAAZAAAAAEAAABAAAAAAAAAAAAAAAAAAAAAAAAAAAAAAAAAAAAAAAAAAAAAAAAAAAAAAAAAAAAAAAAAAAAAAAAAAAAAAAAAAAAAAAAAAAAAAAAAAAAAAAAAAAAAAAAAAAAAFAAAADwAAAABAAAAAAAAAP///wgoAAAAAQAAABQAAAAUAAAAFAAAAAEAAAAAAAAAZAAAAGQAAAAAAAAAZAAAAGQAAAAVAAAAYAAAAAAAAAAAAAAADwAAACADAAAAAAAAAAAAAAEAAACgMgAAVgcAAKr4//8BAAAAf39/AAEAAABkAAAAAAAAABQAAABAHwAAAAAAACYAAAAAAAAAwOD//wAAAAAmAAAAZAAAABYAAABMAAAAAAAAAAAAAAAEAAAAAAAAAAEAAADn5uYKAAAAACgAAAAoAAAAZAAAAGQAAAAAAAAAzMzMAAAAAABQAAAAUAAAAGQAAABkAAAAAAAAABcAAAAUAAAAAAAAAAAAAAD/fwAA/38AAAAAAAAJAAAABAAAAAYAAAAeAAAAaAAAAAAAAAAAAAAAAAAAAAAAAAAAAAAAECcAABAnAAAAAAAAAAAAAAAAAAAAAAAAAAAAAAAAAAAAAAAAAAAAABQAAAAAAAAAwMD/AAAAAABkAAAAMgAAAAAAAABkAAAAAAAAAH9/fwAKAAAAIgAAABgAAAAAAAAAAAAAAAAAAAAAAAAAAAAAAAAAAAAkAAAAJAAAAAAAAAAHAAAAAAAAAAAAAAAAAAAAAAAAAAAAAAAAAAAAf39/ACUAAABYAAAAAAAAAAAAAAAAAAAAAAAAAAAAAAAAAAAAAAAAAAAAAAAAAAAAAAAAAAAAAAA/AAAAAAAAAKCGAQAAAAAAAAAAAAAAAAAMAAAAAQAAAAAAAAAAAAAAAAAAAB8AAABUAAAANEBQAP///wEAAAAAAAAAAAAAAAAAAAAAAAAAAAAAAAAAAAAAAAAAAP///wF/f38A5+bmA8zMzADAwP8Af39/AAAAAAAAAAAAAAAAAAAAAAAAAAAAIQAAABgAAAAUAAAAAAAAAAAAAAD/SgAALyoAABAAAAAmAAAACAAAAP//////////"/>
+                <pr:smNativeData xmlns="smNativeData" xmlns:pr="smNativeData" xmlns:p15="http://schemas.microsoft.com/office/powerpoint/2012/main" xmlns:p14="http://schemas.microsoft.com/office/powerpoint/2010/main" xmlns:mc="http://schemas.openxmlformats.org/markup-compatibility/2006" val="SMDATA_15_q5OGZBMAAAAlAAAAqgAAAA0AAAAAkAAAAEgAAACQAAAASAAAAAAAAAAAAAAAAAAAAAEAAABQAAAAda9fBcX/xz8AAAAAAADgPwAAAAAAAOA/AAAAAAAA4D8AAAAAAADgPwAAAAAAAOA/AAAAAAAA4D8AAAAAAADgPwAAAAAAAOA/AAAAAAAA4D8CAAAAjAAAAAEAAAAAAAAANEBQAP///wgAAAAAAAAAAAAAAAAAAAAAAAAAAAAAAAAAAAAAZAAAAAEAAABAAAAAAAAAAAAAAAAAAAAAAAAAAAAAAAAAAAAAAAAAAAAAAAAAAAAAAAAAAAAAAAAAAAAAAAAAAAAAAAAAAAAAAAAAAAAAAAAAAAAAAAAAAAAAAAAAAAAAFAAAADwAAAABAAAAAAAAAP///wgoAAAAAQAAABQAAAAUAAAAFAAAAAEAAAAAAAAAZAAAAGQAAAAAAAAAZAAAAGQAAAAVAAAAYAAAAAAAAAAAAAAADwAAACADAAAAAAAAAAAAAAEAAACgMgAAVgcAAKr4//8BAAAAf39/AAEAAABkAAAAAAAAABQAAABAHwAAAAAAACYAAAAAAAAAwOD//wAAAAAmAAAAZAAAABYAAABMAAAAAAAAAAAAAAAEAAAAAAAAAAEAAADn5uYKAAAAACgAAAAoAAAAZAAAAGQAAAAAAAAAzMzMAAAAAABQAAAAUAAAAGQAAABkAAAAAAAAABcAAAAUAAAAAAAAAAAAAAD/fwAA/38AAAAAAAAJAAAABAAAAAYAAAAeAAAAaAAAAAAAAAAAAAAAAAAAAAAAAAAAAAAAECcAABAnAAAAAAAAAAAAAAAAAAAAAAAAAAAAAAAAAAAAAAAAAAAAABQAAAAAAAAAwMD/AAAAAABkAAAAMgAAAAAAAABkAAAAAAAAAH9/fwAKAAAAIgAAABgAAAAAAAAAAAAAAAAAAAAAAAAAAAAAAAAAAAAkAAAAJAAAAAAAAAAHAAAAAAAAAAAAAAAAAAAAAAAAAAAAAAAAAAAAf39/ACUAAABYAAAAAAAAAAAAAAAAAAAAAAAAAAAAAAAAAAAAAAAAAAAAAAAAAAAAAAAAAAAAAAA/AAAAAAAAAKCGAQAAAAAAAAAAAAAAAAAMAAAAAQAAAAAAAAAAAAAAAAAAAB8AAABUAAAANEBQAP///wEAAAAAAAAAAAAAAAAAAAAAAAAAAAAAAAAAAAAAAAAAAP///wF/f38A5+bmA8zMzADAwP8Af39/AAAAAAAAAAAAAAAAAAAAAAAAAAAAIQAAABgAAAAUAAAAAAAAAAAAAAD/SgAALyoAABAAAAAmAAAACAAAAP//////////"/>
               </a:ext>
             </a:extLst>
           </p:cNvSpPr>
@@ -12583,7 +12510,7 @@
           <p:cNvSpPr>
             <a:extLst>
               <a:ext uri="smNativeData">
-                <pr:smNativeData xmlns:pr="smNativeData" xmlns="smNativeData" val="SMDATA_15_q5OGZBMAAAAlAAAAZAAAAA0AAAAAjgAAAEcAAACOAAAARwAAAAAAAAABAAAAAAAAAAEAAABQAAAAAAAAAAAA4D8AAAAAAADgPwAAAAAAAOA/AAAAAAAA4D8AAAAAAADgPwAAAAAAAOA/AAAAAAAA4D8AAAAAAADgPwAAAAAAAOA/AAAAAAAA4D8CAAAAjAAAAAEAAAAAAAAAIis1AP///wgAAAAAAAAAAAAAAAAAAAAAAAAAAAAAAAAAAAAAZAAAAAEAAABAAAAAAAAAAAAAAAAAAAAAAAAAAAAAAAAAAAAAAAAAAAAAAAAAAAAAAAAAAAAAAAAAAAAAAAAAAAAAAAAAAAAAAAAAAAAAAAAAAAAAAAAAAAAAAAAAAAAAFAAAADwAAAABAAAAAAAAAOfm5gooAAAAAQAAABQAAAAUAAAAFAAAAAEAAAAAAAAAZAAAAGQAAAAAAAAAZAAAAGQAAAAVAAAAYAAAAAAAAAAAAAAADwAAACADAAAAAAAAAAAAAAEAAACgMgAAVgcAAKr4//8BAAAAf39/AAEAAABkAAAAAAAAABQAAABAHwAAAAAAACYAAAAAAAAAwOD//wAAAAAmAAAAZAAAABYAAABMAAAAAAAAAAAAAAAEAAAAAAAAAAEAAADn5uYKAAAAACgAAAAoAAAAZAAAAGQAAAAAAAAAzMzMAAAAAABQAAAAUAAAAGQAAABkAAAAAAAAABcAAAAUAAAAAAAAAAAAAAD/fwAA/38AAAAAAAAJAAAABAAAAPCCgqMeAAAAaAAAAAAAAAAAAAAAAAAAAAAAAAAAAAAAECcAABAnAAAAAAAAAAAAAAAAAAAAAAAAAAAAAAAAAAAAAAAAAAAAABQAAAAAAAAAwMD/AAAAAABkAAAAMgAAAAAAAABkAAAAAAAAAH9/fwAKAAAAIgAAABgAAAAAAAAAAAAAAAAAAAAAAAAAAAAAAAAAAAAkAAAAJAAAAAAAAAAHAAAAAAAAAAAAAAAAAAAAAAAAAAAAAAAAAAAAf39/ACUAAABYAAAAAAAAAAAAAAAAAAAAAAAAAAAAAAAAAAAAAAAAAAAAAAAAAAAAAAAAAAAAAAA/AAAAAAAAAKCGAQAAAAAAAAAAAAAAAAAMAAAAAQAAAAAAAAAAAAAAAAAAAB8AAABUAAAAIis1AP///wEAAAAAAAAAAAAAAAAAAAAAAAAAAAAAAAAAAAAAAAAAAOfm5gN/f38A5+bmA8zMzADAwP8Af39/AAAAAAAAAAAAAAAAAAAAAAAAAAAAIQAAABgAAAAUAAAAQhQAAEkBAAC9NgAARAUAABAAAAAmAAAACAAAAP//////////"/>
+                <pr:smNativeData xmlns="smNativeData" xmlns:pr="smNativeData" xmlns:p15="http://schemas.microsoft.com/office/powerpoint/2012/main" xmlns:p14="http://schemas.microsoft.com/office/powerpoint/2010/main" xmlns:mc="http://schemas.openxmlformats.org/markup-compatibility/2006" val="SMDATA_15_q5OGZBMAAAAlAAAAZAAAAA0AAAAAjgAAAEcAAACOAAAARwAAAAAAAAABAAAAAAAAAAEAAABQAAAAAAAAAAAA4D8AAAAAAADgPwAAAAAAAOA/AAAAAAAA4D8AAAAAAADgPwAAAAAAAOA/AAAAAAAA4D8AAAAAAADgPwAAAAAAAOA/AAAAAAAA4D8CAAAAjAAAAAEAAAAAAAAAIis1AP///wgAAAAAAAAAAAAAAAAAAAAAAAAAAAAAAAAAAAAAZAAAAAEAAABAAAAAAAAAAAAAAAAAAAAAAAAAAAAAAAAAAAAAAAAAAAAAAAAAAAAAAAAAAAAAAAAAAAAAAAAAAAAAAAAAAAAAAAAAAAAAAAAAAAAAAAAAAAAAAAAAAAAAFAAAADwAAAABAAAAAAAAAOfm5gooAAAAAQAAABQAAAAUAAAAFAAAAAEAAAAAAAAAZAAAAGQAAAAAAAAAZAAAAGQAAAAVAAAAYAAAAAAAAAAAAAAADwAAACADAAAAAAAAAAAAAAEAAACgMgAAVgcAAKr4//8BAAAAf39/AAEAAABkAAAAAAAAABQAAABAHwAAAAAAACYAAAAAAAAAwOD//wAAAAAmAAAAZAAAABYAAABMAAAAAAAAAAAAAAAEAAAAAAAAAAEAAADn5uYKAAAAACgAAAAoAAAAZAAAAGQAAAAAAAAAzMzMAAAAAABQAAAAUAAAAGQAAABkAAAAAAAAABcAAAAUAAAAAAAAAAAAAAD/fwAA/38AAAAAAAAJAAAABAAAAPCCgqMeAAAAaAAAAAAAAAAAAAAAAAAAAAAAAAAAAAAAECcAABAnAAAAAAAAAAAAAAAAAAAAAAAAAAAAAAAAAAAAAAAAAAAAABQAAAAAAAAAwMD/AAAAAABkAAAAMgAAAAAAAABkAAAAAAAAAH9/fwAKAAAAIgAAABgAAAAAAAAAAAAAAAAAAAAAAAAAAAAAAAAAAAAkAAAAJAAAAAAAAAAHAAAAAAAAAAAAAAAAAAAAAAAAAAAAAAAAAAAAf39/ACUAAABYAAAAAAAAAAAAAAAAAAAAAAAAAAAAAAAAAAAAAAAAAAAAAAAAAAAAAAAAAAAAAAA/AAAAAAAAAKCGAQAAAAAAAAAAAAAAAAAMAAAAAQAAAAAAAAAAAAAAAAAAAB8AAABUAAAAIis1AP///wEAAAAAAAAAAAAAAAAAAAAAAAAAAAAAAAAAAAAAAAAAAOfm5gN/f38A5+bmA8zMzADAwP8Af39/AAAAAAAAAAAAAAAAAAAAAAAAAAAAIQAAABgAAAAUAAAAQhQAAEkBAAC9NgAARAUAABAAAAAmAAAACAAAAP//////////"/>
               </a:ext>
             </a:extLst>
           </p:cNvSpPr>
@@ -12620,8 +12547,8 @@
               </a:lnSpc>
               <a:defRPr lang="pt-br" cap="none">
                 <a:latin typeface="Arial" pitchFamily="2" charset="0"/>
-                <a:ea typeface="DejaVu Sans" pitchFamily="0" charset="0"/>
-                <a:cs typeface="DejaVu Sans" pitchFamily="0" charset="0"/>
+                <a:ea typeface="DejaVu Sans" charset="0"/>
+                <a:cs typeface="DejaVu Sans" charset="0"/>
               </a:defRPr>
             </a:pPr>
             <a:r>
@@ -12629,9 +12556,9 @@
                 <a:solidFill>
                   <a:srgbClr val="FFFFFF"/>
                 </a:solidFill>
-                <a:latin typeface="Montserrat" pitchFamily="0" charset="0"/>
-                <a:ea typeface="DejaVu Sans" pitchFamily="0" charset="0"/>
-                <a:cs typeface="DejaVu Sans" pitchFamily="0" charset="0"/>
+                <a:latin typeface="Montserrat" charset="0"/>
+                <a:ea typeface="DejaVu Sans" charset="0"/>
+                <a:cs typeface="DejaVu Sans" charset="0"/>
               </a:rPr>
               <a:t>Polimorfismo - Sobreposição</a:t>
             </a:r>
@@ -12645,7 +12572,7 @@
           <p:cNvPicPr>
             <a:extLst>
               <a:ext uri="smNativeData">
-                <pr:smNativeData xmlns:pr="smNativeData" xmlns="smNativeData" val="SMDATA_17_q5OGZBMAAAAlAAAAEQAAAA0AAAAAkAAAAEgAAACQAAAASAAAAAAAAAAAAAAAAAAAAAEAAABQAAAAAAAAAAAA4D8AAAAAAADgPwAAAAAAAOA/AAAAAAAA4D8AAAAAAADgPwAAAAAAAOA/AAAAAAAA4D8AAAAAAADgPwAAAAAAAOA/AAAAAAAA4D8CAAAAjAAAAAAAAAAAAAAARHLEDP///wgAAAAAAAAAAAAAAAAAAAAAAAAAAAAAAAAAAAAAZAAAAAEAAABAAAAAAAAAAAAAAAAAAAAAAAAAAAAAAAAAAAAAAAAAAAAAAAAAAAAAAAAAAAAAAAAAAAAAAAAAAAAAAAAAAAAAAAAAAAAAAAAAAAAAAAAAAAAAAAAAAAAAFAAAADwAAAAAAAAAAAAAAAAAAAkUAAAAAQAAABQAAAAUAAAAFAAAAAEAAAAAAAAAZAAAAGQAAAAAAAAAZAAAAGQAAAAVAAAAYAAAAAAAAAAAAAAADwAAACADAAAAAAAAAAAAAAEAAACgMgAAVgcAAKr4//8BAAAAf39/AAEAAABkAAAAAAAAABQAAABAHwAAAAAAACYAAAAAAAAAwOD//wAAAAAmAAAAZAAAABYAAABMAAAAAAAAAAAAAAAEAAAAAAAAAAEAAADn5uYKAAAAACgAAAAoAAAAZAAAAGQAAAAAAAAAzMzMAAAAAABQAAAAUAAAAGQAAABkAAAAAAAAAAcAAAA4AAAAAAAAAAAAAAAAAAAA////AAAAAAAAAAAAAAAAAAAAAAAAAAAAAAAAAAAAAABkAAAAZAAAAAAAAAAjAAAABAAAAGQAAAAXAAAAFAAAAAAAAAAAAAAA/38AAP9/AAAAAAAACQAAAAQAAAAJAAAAHgAAAGgAAAAAAAAAAAAAAAAAAAAAAAAAAAAAABAnAAAQJwAAAAAAAAAAAAAAAAAAAAAAAAAAAAAAAAAAAAAAAAAAAAAUAAAAAAAAAMDA/wAAAAAAZAAAADIAAAAAAAAAZAAAAAAAAAB/f38ACgAAACIAAAAYAAAAAAAAAAAAAAAAAAAAAAAAAAAAAAAAAAAAJAAAACQAAAAAAAAABwAAAAAAAAAAAAAAAAAAAAAAAAAAAAAAAAAAAH9/fwAlAAAAWAAAAAAAAAAAAAAAAAAAAAAAAAAAAAAAAAAAAAAAAAAAAAAAAAAAAAAAAAAAAAAAPwAAAAAAAACghgEAAAAAAAAAAAAAAAAADAAAAAEAAAAAAAAAAAAAAAAAAAAfAAAAVAAAAERyxAX///8BAAAAAAAAAAAAAAAAAAAAAAAAAAAAAAAAAAAAAAAAAAAAAAACf39/AOfm5gPMzMwAwMD/AH9/fwAAAAAAAAAAAAAAAAD///8AAAAAACEAAAAYAAAAFAAAADsWAABbBwAAxDQAAPkmAAAQAAAAJgAAAAgAAAD//////////w=="/>
+                <pr:smNativeData xmlns="smNativeData" xmlns:pr="smNativeData" xmlns:p15="http://schemas.microsoft.com/office/powerpoint/2012/main" xmlns:p14="http://schemas.microsoft.com/office/powerpoint/2010/main" xmlns:mc="http://schemas.openxmlformats.org/markup-compatibility/2006" val="SMDATA_17_q5OGZBMAAAAlAAAAEQAAAA0AAAAAkAAAAEgAAACQAAAASAAAAAAAAAAAAAAAAAAAAAEAAABQAAAAAAAAAAAA4D8AAAAAAADgPwAAAAAAAOA/AAAAAAAA4D8AAAAAAADgPwAAAAAAAOA/AAAAAAAA4D8AAAAAAADgPwAAAAAAAOA/AAAAAAAA4D8CAAAAjAAAAAAAAAAAAAAARHLEDP///wgAAAAAAAAAAAAAAAAAAAAAAAAAAAAAAAAAAAAAZAAAAAEAAABAAAAAAAAAAAAAAAAAAAAAAAAAAAAAAAAAAAAAAAAAAAAAAAAAAAAAAAAAAAAAAAAAAAAAAAAAAAAAAAAAAAAAAAAAAAAAAAAAAAAAAAAAAAAAAAAAAAAAFAAAADwAAAAAAAAAAAAAAAAAAAkUAAAAAQAAABQAAAAUAAAAFAAAAAEAAAAAAAAAZAAAAGQAAAAAAAAAZAAAAGQAAAAVAAAAYAAAAAAAAAAAAAAADwAAACADAAAAAAAAAAAAAAEAAACgMgAAVgcAAKr4//8BAAAAf39/AAEAAABkAAAAAAAAABQAAABAHwAAAAAAACYAAAAAAAAAwOD//wAAAAAmAAAAZAAAABYAAABMAAAAAAAAAAAAAAAEAAAAAAAAAAEAAADn5uYKAAAAACgAAAAoAAAAZAAAAGQAAAAAAAAAzMzMAAAAAABQAAAAUAAAAGQAAABkAAAAAAAAAAcAAAA4AAAAAAAAAAAAAAAAAAAA////AAAAAAAAAAAAAAAAAAAAAAAAAAAAAAAAAAAAAABkAAAAZAAAAAAAAAAjAAAABAAAAGQAAAAXAAAAFAAAAAAAAAAAAAAA/38AAP9/AAAAAAAACQAAAAQAAAAJAAAAHgAAAGgAAAAAAAAAAAAAAAAAAAAAAAAAAAAAABAnAAAQJwAAAAAAAAAAAAAAAAAAAAAAAAAAAAAAAAAAAAAAAAAAAAAUAAAAAAAAAMDA/wAAAAAAZAAAADIAAAAAAAAAZAAAAAAAAAB/f38ACgAAACIAAAAYAAAAAAAAAAAAAAAAAAAAAAAAAAAAAAAAAAAAJAAAACQAAAAAAAAABwAAAAAAAAAAAAAAAAAAAAAAAAAAAAAAAAAAAH9/fwAlAAAAWAAAAAAAAAAAAAAAAAAAAAAAAAAAAAAAAAAAAAAAAAAAAAAAAAAAAAAAAAAAAAAAPwAAAAAAAACghgEAAAAAAAAAAAAAAAAADAAAAAEAAAAAAAAAAAAAAAAAAAAfAAAAVAAAAERyxAX///8BAAAAAAAAAAAAAAAAAAAAAAAAAAAAAAAAAAAAAAAAAAAAAAACf39/AOfm5gPMzMwAwMD/AH9/fwAAAAAAAAAAAAAAAAD///8AAAAAACEAAAAYAAAAFAAAADsWAABbBwAAxDQAAPkmAAAQAAAAJgAAAAgAAAD//////////w=="/>
               </a:ext>
             </a:extLst>
           </p:cNvPicPr>
@@ -12678,7 +12605,7 @@
           <p:cNvSpPr>
             <a:extLst>
               <a:ext uri="smNativeData">
-                <pr:smNativeData xmlns:pr="smNativeData" xmlns="smNativeData" val="SMDATA_15_q5OGZBMAAAAlAAAAZAAAAE0AAAAAkAAAAEgAAACQAAAASAAAAAAAAAAAAAAAAAAAAAEAAABQAAAAAAAAAAAA4D8AAAAAAADgPwAAAAAAAOA/AAAAAAAA4D8AAAAAAADgPwAAAAAAAOA/AAAAAAAA4D8AAAAAAADgPwAAAAAAAOA/AAAAAAAA4D8CAAAAjAAAAAAAAAAAAAAARHLEDP///wgAAAAAAAAAAAAAAAAAAAAAAAAAAAAAAAAAAAAAZAAAAAEAAABAAAAAAAAAAAAAAAAAAAAAAAAAAAAAAAAAAAAAAAAAAAAAAAAAAAAAAAAAAAAAAAAAAAAAAAAAAAAAAAAAAAAAAAAAAAAAAAAAAAAAAAAAAAAAAAAAAAAAFAAAADwAAAAAAAAAAAAAAAAAAAAPAAAAAQAAACMAAAAjAAAAIwAAAB4AAAAAAAAAZAAAAGQAAAAAAAAAZAAAAGQAAAAVAAAAYAAAAAAAAAAAAAAADwAAACADAAAAAAAAAAAAAAEAAACgMgAAVgcAAKr4//8BAAAAf39/AAEAAABkAAAAAAAAABQAAABAHwAAAAAAACYAAAAAAAAAwOD//wAAAAAmAAAAZAAAABYAAABMAAAAAAAAAAAAAAAEAAAAAAAAAAEAAADn5uYKAAAAACgAAAAoAAAAZAAAAGQAAAAAAAAAzMzMAAAAAABQAAAAUAAAAGQAAABkAAAAAAAAABcAAAAUAAAAAAAAAAAAAAD/fwAA/38AAAAAAAAJAAAABAAAAF8AYAAeAAAAaAAAAAAAAAAAAAAAAAAAAAAAAAAAAAAAECcAABAnAAAAAAAAAAAAAAAAAAAAAAAAAAAAAAAAAAAAAAAAAAAAABQAAAAAAAAAwMD/AAAAAABkAAAAMgAAAAAAAABkAAAAAAAAAH9/fwAKAAAAIgAAABgAAAAAAAAAAAAAAAAAAAAAAAAAAAAAAAAAAAAkAAAAJAAAAAAAAAAHAAAAAAAAAAAAAAAAAAAAAAAAAAAAAAAAAAAAf39/ACUAAABYAAAAAAAAAAAAAAAAAAAAAAAAAAAAAAAAAAAAAAAAAAAAAAAAAAAAAAAAAAAAAAA/AAAAAAAAAKCGAQAAAAAAAAAAAAAAAAAMAAAAAQAAAAAAAAAAAAAAAAAAAB8AAABUAAAARHLEBf///wEAAAAAAAAAAAAAAAAAAAAAAAAAAAAAAAAAAAAAAAAAAAAAAAB/f38A5+bmA8zMzADAwP8Af39/AAAAAAAAAAAAAAAAAAAAAAAAAAAAIQAAABgAAAAUAAAAYwQAAFsHAADYEQAAtgsAABAgAAAmAAAACAAAAP//////////"/>
+                <pr:smNativeData xmlns="smNativeData" xmlns:pr="smNativeData" xmlns:p15="http://schemas.microsoft.com/office/powerpoint/2012/main" xmlns:p14="http://schemas.microsoft.com/office/powerpoint/2010/main" xmlns:mc="http://schemas.openxmlformats.org/markup-compatibility/2006" val="SMDATA_15_q5OGZBMAAAAlAAAAZAAAAE0AAAAAkAAAAEgAAACQAAAASAAAAAAAAAAAAAAAAAAAAAEAAABQAAAAAAAAAAAA4D8AAAAAAADgPwAAAAAAAOA/AAAAAAAA4D8AAAAAAADgPwAAAAAAAOA/AAAAAAAA4D8AAAAAAADgPwAAAAAAAOA/AAAAAAAA4D8CAAAAjAAAAAAAAAAAAAAARHLEDP///wgAAAAAAAAAAAAAAAAAAAAAAAAAAAAAAAAAAAAAZAAAAAEAAABAAAAAAAAAAAAAAAAAAAAAAAAAAAAAAAAAAAAAAAAAAAAAAAAAAAAAAAAAAAAAAAAAAAAAAAAAAAAAAAAAAAAAAAAAAAAAAAAAAAAAAAAAAAAAAAAAAAAAFAAAADwAAAAAAAAAAAAAAAAAAAAPAAAAAQAAACMAAAAjAAAAIwAAAB4AAAAAAAAAZAAAAGQAAAAAAAAAZAAAAGQAAAAVAAAAYAAAAAAAAAAAAAAADwAAACADAAAAAAAAAAAAAAEAAACgMgAAVgcAAKr4//8BAAAAf39/AAEAAABkAAAAAAAAABQAAABAHwAAAAAAACYAAAAAAAAAwOD//wAAAAAmAAAAZAAAABYAAABMAAAAAAAAAAAAAAAEAAAAAAAAAAEAAADn5uYKAAAAACgAAAAoAAAAZAAAAGQAAAAAAAAAzMzMAAAAAABQAAAAUAAAAGQAAABkAAAAAAAAABcAAAAUAAAAAAAAAAAAAAD/fwAA/38AAAAAAAAJAAAABAAAAF8AYAAeAAAAaAAAAAAAAAAAAAAAAAAAAAAAAAAAAAAAECcAABAnAAAAAAAAAAAAAAAAAAAAAAAAAAAAAAAAAAAAAAAAAAAAABQAAAAAAAAAwMD/AAAAAABkAAAAMgAAAAAAAABkAAAAAAAAAH9/fwAKAAAAIgAAABgAAAAAAAAAAAAAAAAAAAAAAAAAAAAAAAAAAAAkAAAAJAAAAAAAAAAHAAAAAAAAAAAAAAAAAAAAAAAAAAAAAAAAAAAAf39/ACUAAABYAAAAAAAAAAAAAAAAAAAAAAAAAAAAAAAAAAAAAAAAAAAAAAAAAAAAAAAAAAAAAAA/AAAAAAAAAKCGAQAAAAAAAAAAAAAAAAAMAAAAAQAAAAAAAAAAAAAAAAAAAB8AAABUAAAARHLEBf///wEAAAAAAAAAAAAAAAAAAAAAAAAAAAAAAAAAAAAAAAAAAAAAAAB/f38A5+bmA8zMzADAwP8Af39/AAAAAAAAAAAAAAAAAAAAAAAAAAAAIQAAABgAAAAUAAAAYwQAAFsHAADYEQAAtgsAABAgAAAmAAAACAAAAP//////////"/>
               </a:ext>
             </a:extLst>
           </p:cNvSpPr>
@@ -12711,8 +12638,8 @@
                   <a:schemeClr val="bg1"/>
                 </a:solidFill>
                 <a:latin typeface="Calibri" pitchFamily="2" charset="0"/>
-                <a:ea typeface="DejaVu Sans" pitchFamily="0" charset="0"/>
-                <a:cs typeface="DejaVu Sans" pitchFamily="0" charset="0"/>
+                <a:ea typeface="DejaVu Sans" charset="0"/>
+                <a:cs typeface="DejaVu Sans" charset="0"/>
               </a:rPr>
               <a:t>Exemplo:</a:t>
             </a:r>
@@ -12725,18 +12652,11 @@
   <p:clrMapOvr>
     <a:masterClrMapping/>
   </p:clrMapOvr>
-  <p:timing>
-    <p:tnLst>
-      <p:par>
-        <p:cTn id="1" dur="indefinite" restart="never" nodeType="tmRoot"/>
-      </p:par>
-    </p:tnLst>
-  </p:timing>
 </p:sld>
 </file>
 
 <file path=ppt/slides/slide17.xml><?xml version="1.0" encoding="utf-8"?>
-<p:sld xmlns:p="http://schemas.openxmlformats.org/presentationml/2006/main" xmlns:mc="http://schemas.openxmlformats.org/markup-compatibility/2006" xmlns:p14="http://schemas.microsoft.com/office/powerpoint/2010/main" xmlns:p15="http://schemas.microsoft.com/office/powerpoint/2012/main" xmlns:r="http://schemas.openxmlformats.org/officeDocument/2006/relationships" xmlns:a="http://schemas.openxmlformats.org/drawingml/2006/main" mc:Ignorable="p14">
+<p:sld xmlns:a="http://schemas.openxmlformats.org/drawingml/2006/main" xmlns:r="http://schemas.openxmlformats.org/officeDocument/2006/relationships" xmlns:p="http://schemas.openxmlformats.org/presentationml/2006/main">
   <p:cSld>
     <p:bg>
       <p:bgPr>
@@ -12766,7 +12686,7 @@
           <p:cNvSpPr>
             <a:extLst>
               <a:ext uri="smNativeData">
-                <pr:smNativeData xmlns:pr="smNativeData" xmlns="smNativeData" val="SMDATA_15_q5OGZBMAAAAlAAAAZAAAAA0AAAAAkAAAAEgAAACQAAAASAAAAAAAAAAAAAAAAAAAAAEAAABQAAAAAAAAAAAA4D8AAAAAAADgPwAAAAAAAOA/AAAAAAAA4D8AAAAAAADgPwAAAAAAAOA/AAAAAAAA4D8AAAAAAADgPwAAAAAAAOA/AAAAAAAA4D8CAAAAjAAAAAAAAAAAAAAARHLEDP///wgAAAAAAAAAAAAAAAAAAAAAAAAAAAAAAAAAAAAAZAAAAAEAAABAAAAAAAAAAAAAAAAAAAAAAAAAAAAAAAAAAAAAAAAAAAAAAAAAAAAAAAAAAAAAAAAAAAAAAAAAAAAAAAAAAAAAAAAAAAAAAAAAAAAAAAAAAAAAAAAAAAAAFAAAADwAAAAAAAAAAAAAAAAAAAkUAAAAAQAAABQAAAAUAAAAFAAAAAEAAAAAAAAAZAAAAGQAAAAAAAAAZAAAAGQAAAAVAAAAYAAAAAAAAAAAAAAADwAAACADAAAAAAAAAAAAAAEAAACgMgAAVgcAAKr4//8BAAAAf39/AAEAAABkAAAAAAAAABQAAABAHwAAAAAAACYAAAAAAAAAwOD//wAAAAAmAAAAZAAAABYAAABMAAAAAAAAAAAAAAAEAAAAAAAAAAEAAADn5uYKAAAAACgAAAAoAAAAZAAAAGQAAAAAAAAAzMzMAAAAAABQAAAAUAAAAGQAAABkAAAAAAAAABcAAAAUAAAAAAAAAAAAAAD/fwAA/38AAAAAAAAJAAAABAAAAF8AYAAeAAAAaAAAAAAAAAAAAAAAAAAAAAAAAAAAAAAAECcAABAnAAAAAAAAAAAAAAAAAAAAAAAAAAAAAAAAAAAAAAAAAAAAABQAAAAAAAAAwMD/AAAAAABkAAAAMgAAAAAAAABkAAAAAAAAAH9/fwAKAAAAIgAAABgAAAAAAAAAAAAAAAAAAAAAAAAAAAAAAAAAAAAkAAAAJAAAAAAAAAAHAAAAAAAAAAAAAAAAAAAAAAAAAAAAAAAAAAAAf39/ACUAAABYAAAAAAAAAAAAAAAAAAAAAAAAAAAAAAAAAAAAAAAAAAAAAAAAAAAAAAAAAAAAAAA/AAAAAAAAAKCGAQAAAAAAAAAAAAAAAAAMAAAAAQAAAAAAAAAAAAAAAAAAAB8AAABUAAAARHLEBf///wEAAAAAAAAAAAAAAAAAAAAAAAAAAAAAAAAAAAAAAAAAAAAAAAJ/f38A5+bmA8zMzADAwP8Af39/AAAAAAAAAAAAAAAAAAAAAAAAAAAAIQAAABgAAAAUAAAAKAUAAJ8BAADXRQAAxQkAABAAAAAmAAAACAAAAP//////////"/>
+                <pr:smNativeData xmlns="smNativeData" xmlns:pr="smNativeData" xmlns:p15="http://schemas.microsoft.com/office/powerpoint/2012/main" xmlns:p14="http://schemas.microsoft.com/office/powerpoint/2010/main" xmlns:mc="http://schemas.openxmlformats.org/markup-compatibility/2006" val="SMDATA_15_q5OGZBMAAAAlAAAAZAAAAA0AAAAAkAAAAEgAAACQAAAASAAAAAAAAAAAAAAAAAAAAAEAAABQAAAAAAAAAAAA4D8AAAAAAADgPwAAAAAAAOA/AAAAAAAA4D8AAAAAAADgPwAAAAAAAOA/AAAAAAAA4D8AAAAAAADgPwAAAAAAAOA/AAAAAAAA4D8CAAAAjAAAAAAAAAAAAAAARHLEDP///wgAAAAAAAAAAAAAAAAAAAAAAAAAAAAAAAAAAAAAZAAAAAEAAABAAAAAAAAAAAAAAAAAAAAAAAAAAAAAAAAAAAAAAAAAAAAAAAAAAAAAAAAAAAAAAAAAAAAAAAAAAAAAAAAAAAAAAAAAAAAAAAAAAAAAAAAAAAAAAAAAAAAAFAAAADwAAAAAAAAAAAAAAAAAAAkUAAAAAQAAABQAAAAUAAAAFAAAAAEAAAAAAAAAZAAAAGQAAAAAAAAAZAAAAGQAAAAVAAAAYAAAAAAAAAAAAAAADwAAACADAAAAAAAAAAAAAAEAAACgMgAAVgcAAKr4//8BAAAAf39/AAEAAABkAAAAAAAAABQAAABAHwAAAAAAACYAAAAAAAAAwOD//wAAAAAmAAAAZAAAABYAAABMAAAAAAAAAAAAAAAEAAAAAAAAAAEAAADn5uYKAAAAACgAAAAoAAAAZAAAAGQAAAAAAAAAzMzMAAAAAABQAAAAUAAAAGQAAABkAAAAAAAAABcAAAAUAAAAAAAAAAAAAAD/fwAA/38AAAAAAAAJAAAABAAAAF8AYAAeAAAAaAAAAAAAAAAAAAAAAAAAAAAAAAAAAAAAECcAABAnAAAAAAAAAAAAAAAAAAAAAAAAAAAAAAAAAAAAAAAAAAAAABQAAAAAAAAAwMD/AAAAAABkAAAAMgAAAAAAAABkAAAAAAAAAH9/fwAKAAAAIgAAABgAAAAAAAAAAAAAAAAAAAAAAAAAAAAAAAAAAAAkAAAAJAAAAAAAAAAHAAAAAAAAAAAAAAAAAAAAAAAAAAAAAAAAAAAAf39/ACUAAABYAAAAAAAAAAAAAAAAAAAAAAAAAAAAAAAAAAAAAAAAAAAAAAAAAAAAAAAAAAAAAAA/AAAAAAAAAKCGAQAAAAAAAAAAAAAAAAAMAAAAAQAAAAAAAAAAAAAAAAAAAB8AAABUAAAARHLEBf///wEAAAAAAAAAAAAAAAAAAAAAAAAAAAAAAAAAAAAAAAAAAAAAAAJ/f38A5+bmA8zMzADAwP8Af39/AAAAAAAAAAAAAAAAAAAAAAAAAAAAIQAAABgAAAAUAAAAKAUAAJ8BAADXRQAAxQkAABAAAAAmAAAACAAAAP//////////"/>
               </a:ext>
             </a:extLst>
           </p:cNvSpPr>
@@ -12793,7 +12713,7 @@
           <p:cNvSpPr>
             <a:extLst>
               <a:ext uri="smNativeData">
-                <pr:smNativeData xmlns:pr="smNativeData" xmlns="smNativeData" val="SMDATA_15_q5OGZBMAAAAlAAAAqgAAAA0AAAAAkAAAAEgAAACQAAAASAAAAAAAAAAAAAAAAAAAAAEAAABQAAAAda9fBcX/xz8AAAAAAADgPwAAAAAAAOA/AAAAAAAA4D8AAAAAAADgPwAAAAAAAOA/AAAAAAAA4D8AAAAAAADgPwAAAAAAAOA/AAAAAAAA4D8CAAAAjAAAAAEAAAAAAAAANEBQAP///wgAAAAAAAAAAAAAAAAAAAAAAAAAAAAAAAAAAAAAZAAAAAEAAABAAAAAAAAAAAAAAAAAAAAAAAAAAAAAAAAAAAAAAAAAAAAAAAAAAAAAAAAAAAAAAAAAAAAAAAAAAAAAAAAAAAAAAAAAAAAAAAAAAAAAAAAAAAAAAAAAAAAAFAAAADwAAAABAAAAAAAAAP///wgoAAAAAQAAABQAAAAUAAAAFAAAAAEAAAAAAAAAZAAAAGQAAAAAAAAAZAAAAGQAAAAVAAAAYAAAAAAAAAAAAAAADwAAACADAAAAAAAAAAAAAAEAAACgMgAAVgcAAKr4//8BAAAAf39/AAEAAABkAAAAAAAAABQAAABAHwAAAAAAACYAAAAAAAAAwOD//wAAAAAmAAAAZAAAABYAAABMAAAAAAAAAAAAAAAEAAAAAAAAAAEAAADn5uYKAAAAACgAAAAoAAAAZAAAAGQAAAAAAAAAzMzMAAAAAABQAAAAUAAAAGQAAABkAAAAAAAAABcAAAAUAAAAAAAAAAAAAAD/fwAA/38AAAAAAAAJAAAABAAAAAAAAAAeAAAAaAAAAAAAAAAAAAAAAAAAAAAAAAAAAAAAECcAABAnAAAAAAAAAAAAAAAAAAAAAAAAAAAAAAAAAAAAAAAAAAAAABQAAAAAAAAAwMD/AAAAAABkAAAAMgAAAAAAAABkAAAAAAAAAH9/fwAKAAAAIgAAABgAAAAAAAAAAAAAAAAAAAAAAAAAAAAAAAAAAAAkAAAAJAAAAAAAAAAHAAAAAAAAAAAAAAAAAAAAAAAAAAAAAAAAAAAAf39/ACUAAABYAAAAAAAAAAAAAAAAAAAAAAAAAAAAAAAAAAAAAAAAAAAAAAAAAAAAAAAAAAAAAAA/AAAAAAAAAKCGAQAAAAAAAAAAAAAAAAAMAAAAAQAAAAAAAAAAAAAAAAAAAB8AAABUAAAANEBQAP///wEAAAAAAAAAAAAAAAAAAAAAAAAAAAAAAAAAAAAAAAAAAP///wF/f38A5+bmA8zMzADAwP8Af39/AAAAAAAAAAAAAAAAAAAAAAAAAAAAIQAAABgAAAAUAAAAAAAAAAAAAAD/SgAALyoAABAAAAAmAAAACAAAAP//////////"/>
+                <pr:smNativeData xmlns="smNativeData" xmlns:pr="smNativeData" xmlns:p15="http://schemas.microsoft.com/office/powerpoint/2012/main" xmlns:p14="http://schemas.microsoft.com/office/powerpoint/2010/main" xmlns:mc="http://schemas.openxmlformats.org/markup-compatibility/2006" val="SMDATA_15_q5OGZBMAAAAlAAAAqgAAAA0AAAAAkAAAAEgAAACQAAAASAAAAAAAAAAAAAAAAAAAAAEAAABQAAAAda9fBcX/xz8AAAAAAADgPwAAAAAAAOA/AAAAAAAA4D8AAAAAAADgPwAAAAAAAOA/AAAAAAAA4D8AAAAAAADgPwAAAAAAAOA/AAAAAAAA4D8CAAAAjAAAAAEAAAAAAAAANEBQAP///wgAAAAAAAAAAAAAAAAAAAAAAAAAAAAAAAAAAAAAZAAAAAEAAABAAAAAAAAAAAAAAAAAAAAAAAAAAAAAAAAAAAAAAAAAAAAAAAAAAAAAAAAAAAAAAAAAAAAAAAAAAAAAAAAAAAAAAAAAAAAAAAAAAAAAAAAAAAAAAAAAAAAAFAAAADwAAAABAAAAAAAAAP///wgoAAAAAQAAABQAAAAUAAAAFAAAAAEAAAAAAAAAZAAAAGQAAAAAAAAAZAAAAGQAAAAVAAAAYAAAAAAAAAAAAAAADwAAACADAAAAAAAAAAAAAAEAAACgMgAAVgcAAKr4//8BAAAAf39/AAEAAABkAAAAAAAAABQAAABAHwAAAAAAACYAAAAAAAAAwOD//wAAAAAmAAAAZAAAABYAAABMAAAAAAAAAAAAAAAEAAAAAAAAAAEAAADn5uYKAAAAACgAAAAoAAAAZAAAAGQAAAAAAAAAzMzMAAAAAABQAAAAUAAAAGQAAABkAAAAAAAAABcAAAAUAAAAAAAAAAAAAAD/fwAA/38AAAAAAAAJAAAABAAAAAAAAAAeAAAAaAAAAAAAAAAAAAAAAAAAAAAAAAAAAAAAECcAABAnAAAAAAAAAAAAAAAAAAAAAAAAAAAAAAAAAAAAAAAAAAAAABQAAAAAAAAAwMD/AAAAAABkAAAAMgAAAAAAAABkAAAAAAAAAH9/fwAKAAAAIgAAABgAAAAAAAAAAAAAAAAAAAAAAAAAAAAAAAAAAAAkAAAAJAAAAAAAAAAHAAAAAAAAAAAAAAAAAAAAAAAAAAAAAAAAAAAAf39/ACUAAABYAAAAAAAAAAAAAAAAAAAAAAAAAAAAAAAAAAAAAAAAAAAAAAAAAAAAAAAAAAAAAAA/AAAAAAAAAKCGAQAAAAAAAAAAAAAAAAAMAAAAAQAAAAAAAAAAAAAAAAAAAB8AAABUAAAANEBQAP///wEAAAAAAAAAAAAAAAAAAAAAAAAAAAAAAAAAAAAAAAAAAP///wF/f38A5+bmA8zMzADAwP8Af39/AAAAAAAAAAAAAAAAAAAAAAAAAAAAIQAAABgAAAAUAAAAAAAAAAAAAAD/SgAALyoAABAAAAAmAAAACAAAAP//////////"/>
               </a:ext>
             </a:extLst>
           </p:cNvSpPr>
@@ -12829,7 +12749,7 @@
           <p:cNvSpPr>
             <a:extLst>
               <a:ext uri="smNativeData">
-                <pr:smNativeData xmlns:pr="smNativeData" xmlns="smNativeData" val="SMDATA_15_q5OGZBMAAAAlAAAAZAAAAE0AAAAAjgAAAEcAAACOAAAARwAAAAAAAAAAAAAAAAAAAAEAAABQAAAAAAAAAAAA4D8AAAAAAADgPwAAAAAAAOA/AAAAAAAA4D8AAAAAAADgPwAAAAAAAOA/AAAAAAAA4D8AAAAAAADgPwAAAAAAAOA/AAAAAAAA4D8CAAAAjAAAAAAAAAAAAAAARHLEDP///wgAAAAAAAAAAAAAAAAAAAAAAAAAAAAAAAAAAAAAZAAAAAEAAABAAAAAAAAAAAAAAAAAAAAAAAAAAAAAAAAAAAAAAAAAAAAAAAAAAAAAAAAAAAAAAAAAAAAAAAAAAAAAAAAAAAAAAAAAAAAAAAAAAAAAAAAAAAAAAAAAAAAAFAAAADwAAAAAAAAAAAAAAAAAAAkUAAAAAQAAABQAAAAUAAAAFAAAAAEAAAAAAAAAZAAAAGQAAAAAAAAAZAAAAGQAAAAVAAAAYAAAAAAAAAAAAAAADwAAACADAAAAAAAAAAAAAAEAAACgMgAAVgcAAKr4//8BAAAAf39/AAEAAABkAAAAAAAAABQAAABAHwAAAAAAACYAAAAAAAAAwOD//wAAAAAmAAAAZAAAABYAAABMAAAAAAAAAAAAAAAEAAAAAAAAAAEAAADn5uYKAAAAACgAAAAoAAAAZAAAAGQAAAAAAAAAzMzMAAAAAABQAAAAUAAAAGQAAABkAAAAAAAAABcAAAAUAAAAAAAAAAAAAAD/fwAA/38AAAAAAAAJAAAABAAAAF8AYAAeAAAAaAAAAAAAAAAAAAAAAAAAAAAAAAAAAAAAECcAABAnAAAAAAAAAAAAAAAAAAAAAAAAAAAAAAAAAAAAAAAAAAAAABQAAAAAAAAAwMD/AAAAAABkAAAAMgAAAAAAAABkAAAAAAAAAH9/fwAKAAAAIgAAABgAAAAAAAAAAAAAAAAAAAAAAAAAAAAAAAAAAAAkAAAAJAAAAAAAAAAHAAAAAAAAAAAAAAAAAAAAAAAAAAAAAAAAAAAAf39/ACUAAABYAAAAAAAAAAAAAAAAAAAAAAAAAAAAAAAAAAAAAAAAAAAAAAAAAAAAAAAAAAAAAAA/AAAAAAAAAKCGAQAAAAAAAAAAAAAAAAAMAAAAAQAAAAAAAAAAAAAAAAAAAB8AAABUAAAARHLEBf///wEAAAAAAAAAAAAAAAAAAAAAAAAAAAAAAAAAAAAAAAAAAAAAAAJ/f38A5+bmA8zMzADAwP8Af39/AAAAAAAAAAAAAAAAAAAAAAAAAAAAIQAAABgAAAAUAAAAWgEAAHAIAAAvKgAA/iMAABAgAAAmAAAACAAAAP//////////"/>
+                <pr:smNativeData xmlns="smNativeData" xmlns:pr="smNativeData" xmlns:p15="http://schemas.microsoft.com/office/powerpoint/2012/main" xmlns:p14="http://schemas.microsoft.com/office/powerpoint/2010/main" xmlns:mc="http://schemas.openxmlformats.org/markup-compatibility/2006" val="SMDATA_15_q5OGZBMAAAAlAAAAZAAAAE0AAAAAjgAAAEcAAACOAAAARwAAAAAAAAAAAAAAAAAAAAEAAABQAAAAAAAAAAAA4D8AAAAAAADgPwAAAAAAAOA/AAAAAAAA4D8AAAAAAADgPwAAAAAAAOA/AAAAAAAA4D8AAAAAAADgPwAAAAAAAOA/AAAAAAAA4D8CAAAAjAAAAAAAAAAAAAAARHLEDP///wgAAAAAAAAAAAAAAAAAAAAAAAAAAAAAAAAAAAAAZAAAAAEAAABAAAAAAAAAAAAAAAAAAAAAAAAAAAAAAAAAAAAAAAAAAAAAAAAAAAAAAAAAAAAAAAAAAAAAAAAAAAAAAAAAAAAAAAAAAAAAAAAAAAAAAAAAAAAAAAAAAAAAFAAAADwAAAAAAAAAAAAAAAAAAAkUAAAAAQAAABQAAAAUAAAAFAAAAAEAAAAAAAAAZAAAAGQAAAAAAAAAZAAAAGQAAAAVAAAAYAAAAAAAAAAAAAAADwAAACADAAAAAAAAAAAAAAEAAACgMgAAVgcAAKr4//8BAAAAf39/AAEAAABkAAAAAAAAABQAAABAHwAAAAAAACYAAAAAAAAAwOD//wAAAAAmAAAAZAAAABYAAABMAAAAAAAAAAAAAAAEAAAAAAAAAAEAAADn5uYKAAAAACgAAAAoAAAAZAAAAGQAAAAAAAAAzMzMAAAAAABQAAAAUAAAAGQAAABkAAAAAAAAABcAAAAUAAAAAAAAAAAAAAD/fwAA/38AAAAAAAAJAAAABAAAAF8AYAAeAAAAaAAAAAAAAAAAAAAAAAAAAAAAAAAAAAAAECcAABAnAAAAAAAAAAAAAAAAAAAAAAAAAAAAAAAAAAAAAAAAAAAAABQAAAAAAAAAwMD/AAAAAABkAAAAMgAAAAAAAABkAAAAAAAAAH9/fwAKAAAAIgAAABgAAAAAAAAAAAAAAAAAAAAAAAAAAAAAAAAAAAAkAAAAJAAAAAAAAAAHAAAAAAAAAAAAAAAAAAAAAAAAAAAAAAAAAAAAf39/ACUAAABYAAAAAAAAAAAAAAAAAAAAAAAAAAAAAAAAAAAAAAAAAAAAAAAAAAAAAAAAAAAAAAA/AAAAAAAAAKCGAQAAAAAAAAAAAAAAAAAMAAAAAQAAAAAAAAAAAAAAAAAAAB8AAABUAAAARHLEBf///wEAAAAAAAAAAAAAAAAAAAAAAAAAAAAAAAAAAAAAAAAAAAAAAAJ/f38A5+bmA8zMzADAwP8Af39/AAAAAAAAAAAAAAAAAAAAAAAAAAAAIQAAABgAAAAUAAAAWgEAAHAIAAAvKgAA/iMAABAgAAAmAAAACAAAAP//////////"/>
               </a:ext>
             </a:extLst>
           </p:cNvSpPr>
@@ -12859,10 +12779,11 @@
               </a:lnSpc>
               <a:defRPr lang="pt-br" cap="none">
                 <a:latin typeface="Arial" pitchFamily="2" charset="0"/>
-                <a:ea typeface="DejaVu Sans" pitchFamily="0" charset="0"/>
-                <a:cs typeface="DejaVu Sans" pitchFamily="0" charset="0"/>
+                <a:ea typeface="DejaVu Sans" charset="0"/>
+                <a:cs typeface="DejaVu Sans" charset="0"/>
               </a:defRPr>
             </a:pPr>
+            <a:endParaRPr/>
           </a:p>
           <a:p>
             <a:pPr>
@@ -12871,8 +12792,8 @@
               </a:lnSpc>
               <a:defRPr lang="pt-br" cap="none">
                 <a:latin typeface="Arial" pitchFamily="2" charset="0"/>
-                <a:ea typeface="DejaVu Sans" pitchFamily="0" charset="0"/>
-                <a:cs typeface="DejaVu Sans" pitchFamily="0" charset="0"/>
+                <a:ea typeface="DejaVu Sans" charset="0"/>
+                <a:cs typeface="DejaVu Sans" charset="0"/>
               </a:defRPr>
             </a:pPr>
             <a:r>
@@ -12880,9 +12801,9 @@
                 <a:solidFill>
                   <a:srgbClr val="D1D5DB"/>
                 </a:solidFill>
-                <a:latin typeface="Söhne" pitchFamily="0" charset="0"/>
-                <a:ea typeface="DejaVu Sans" pitchFamily="0" charset="0"/>
-                <a:cs typeface="DejaVu Sans" pitchFamily="0" charset="0"/>
+                <a:latin typeface="Söhne" charset="0"/>
+                <a:ea typeface="DejaVu Sans" charset="0"/>
+                <a:cs typeface="DejaVu Sans" charset="0"/>
               </a:rPr>
               <a:t>Objetos estáticos em JavaScript são membros de uma classe que pertencem à própria classe e não a instâncias individuais. Eles podem ser acessados diretamente usando o nome da classe e são compartilhados por todas as instâncias. São usados para dados ou funções compartilhadas. </a:t>
             </a:r>
@@ -12894,10 +12815,18 @@
               </a:lnSpc>
               <a:defRPr lang="pt-br" cap="none">
                 <a:latin typeface="Arial" pitchFamily="2" charset="0"/>
-                <a:ea typeface="DejaVu Sans" pitchFamily="0" charset="0"/>
-                <a:cs typeface="DejaVu Sans" pitchFamily="0" charset="0"/>
+                <a:ea typeface="DejaVu Sans" charset="0"/>
+                <a:cs typeface="DejaVu Sans" charset="0"/>
               </a:defRPr>
             </a:pPr>
+            <a:endParaRPr lang="pt-br" cap="none">
+              <a:solidFill>
+                <a:srgbClr val="D1D5DB"/>
+              </a:solidFill>
+              <a:latin typeface="Söhne" charset="0"/>
+              <a:ea typeface="DejaVu Sans" charset="0"/>
+              <a:cs typeface="DejaVu Sans" charset="0"/>
+            </a:endParaRPr>
           </a:p>
           <a:p>
             <a:pPr>
@@ -12906,8 +12835,8 @@
               </a:lnSpc>
               <a:defRPr lang="pt-br" cap="none">
                 <a:latin typeface="Arial" pitchFamily="2" charset="0"/>
-                <a:ea typeface="DejaVu Sans" pitchFamily="0" charset="0"/>
-                <a:cs typeface="DejaVu Sans" pitchFamily="0" charset="0"/>
+                <a:ea typeface="DejaVu Sans" charset="0"/>
+                <a:cs typeface="DejaVu Sans" charset="0"/>
               </a:defRPr>
             </a:pPr>
             <a:r>
@@ -12915,9 +12844,9 @@
                 <a:solidFill>
                   <a:srgbClr val="D1D5DB"/>
                 </a:solidFill>
-                <a:latin typeface="Söhne" pitchFamily="0" charset="0"/>
-                <a:ea typeface="DejaVu Sans" pitchFamily="0" charset="0"/>
-                <a:cs typeface="DejaVu Sans" pitchFamily="0" charset="0"/>
+                <a:latin typeface="Söhne" charset="0"/>
+                <a:ea typeface="DejaVu Sans" charset="0"/>
+                <a:cs typeface="DejaVu Sans" charset="0"/>
               </a:rPr>
               <a:t>Neste exemplo, contador é um objeto estático que conta o número de vezes que o método incrementarContador() é chamado. O método getContador() retorna o valor atual do contador. O acesso aos membros estáticos é feito diretamente usando o nome da classe, sem a necessidade de criar instâncias da classe.</a:t>
             </a:r>
@@ -12929,10 +12858,18 @@
               </a:lnSpc>
               <a:defRPr lang="pt-br" cap="none">
                 <a:latin typeface="Arial" pitchFamily="2" charset="0"/>
-                <a:ea typeface="DejaVu Sans" pitchFamily="0" charset="0"/>
-                <a:cs typeface="DejaVu Sans" pitchFamily="0" charset="0"/>
+                <a:ea typeface="DejaVu Sans" charset="0"/>
+                <a:cs typeface="DejaVu Sans" charset="0"/>
               </a:defRPr>
             </a:pPr>
+            <a:endParaRPr lang="pt-br" cap="none">
+              <a:solidFill>
+                <a:srgbClr val="D1D5DB"/>
+              </a:solidFill>
+              <a:latin typeface="Söhne" charset="0"/>
+              <a:ea typeface="DejaVu Sans" charset="0"/>
+              <a:cs typeface="DejaVu Sans" charset="0"/>
+            </a:endParaRPr>
           </a:p>
         </p:txBody>
       </p:sp>
@@ -12942,7 +12879,7 @@
           <p:cNvSpPr>
             <a:extLst>
               <a:ext uri="smNativeData">
-                <pr:smNativeData xmlns:pr="smNativeData" xmlns="smNativeData" val="SMDATA_15_q5OGZBMAAAAlAAAAZAAAAA0AAAAAjgAAAEcAAACOAAAARwAAAAAAAAABAAAAAAAAAAEAAABQAAAAAAAAAAAA4D8AAAAAAADgPwAAAAAAAOA/AAAAAAAA4D8AAAAAAADgPwAAAAAAAOA/AAAAAAAA4D8AAAAAAADgPwAAAAAAAOA/AAAAAAAA4D8CAAAAjAAAAAEAAAAAAAAAIis1AP///wgAAAAAAAAAAAAAAAAAAAAAAAAAAAAAAAAAAAAAZAAAAAEAAABAAAAAAAAAAAAAAAAAAAAAAAAAAAAAAAAAAAAAAAAAAAAAAAAAAAAAAAAAAAAAAAAAAAAAAAAAAAAAAAAAAAAAAAAAAAAAAAAAAAAAAAAAAAAAAAAAAAAAFAAAADwAAAABAAAAAAAAAOfm5gooAAAAAQAAABQAAAAUAAAAFAAAAAEAAAAAAAAAZAAAAGQAAAAAAAAAZAAAAGQAAAAVAAAAYAAAAAAAAAAAAAAADwAAACADAAAAAAAAAAAAAAEAAACgMgAAVgcAAKr4//8BAAAAf39/AAEAAABkAAAAAAAAABQAAABAHwAAAAAAACYAAAAAAAAAwOD//wAAAAAmAAAAZAAAABYAAABMAAAAAAAAAAAAAAAEAAAAAAAAAAEAAADn5uYKAAAAACgAAAAoAAAAZAAAAGQAAAAAAAAAzMzMAAAAAABQAAAAUAAAAGQAAABkAAAAAAAAABcAAAAUAAAAAAAAAAAAAAD/fwAA/38AAAAAAAAJAAAABAAAAF8AYAAeAAAAaAAAAAAAAAAAAAAAAAAAAAAAAAAAAAAAECcAABAnAAAAAAAAAAAAAAAAAAAAAAAAAAAAAAAAAAAAAAAAAAAAABQAAAAAAAAAwMD/AAAAAABkAAAAMgAAAAAAAABkAAAAAAAAAH9/fwAKAAAAIgAAABgAAAAAAAAAAAAAAAAAAAAAAAAAAAAAAAAAAAAkAAAAJAAAAAAAAAAHAAAAAAAAAAAAAAAAAAAAAAAAAAAAAAAAAAAAf39/ACUAAABYAAAAAAAAAAAAAAAAAAAAAAAAAAAAAAAAAAAAAAAAAAAAAAAAAAAAAAAAAAAAAAA/AAAAAAAAAKCGAQAAAAAAAAAAAAAAAAAMAAAAAQAAAAAAAAAAAAAAAAAAAB8AAABUAAAAIis1AP///wEAAAAAAAAAAAAAAAAAAAAAAAAAAAAAAAAAAAAAAAAAAOfm5gN/f38A5+bmA8zMzADAwP8Af39/AAAAAAAAAAAAAAAAAAAAAAAAAAAAIQAAABgAAAAUAAAAQhQAAEkBAAC9NgAARAUAABAAAAAmAAAACAAAAP//////////"/>
+                <pr:smNativeData xmlns="smNativeData" xmlns:pr="smNativeData" xmlns:p15="http://schemas.microsoft.com/office/powerpoint/2012/main" xmlns:p14="http://schemas.microsoft.com/office/powerpoint/2010/main" xmlns:mc="http://schemas.openxmlformats.org/markup-compatibility/2006" val="SMDATA_15_q5OGZBMAAAAlAAAAZAAAAA0AAAAAjgAAAEcAAACOAAAARwAAAAAAAAABAAAAAAAAAAEAAABQAAAAAAAAAAAA4D8AAAAAAADgPwAAAAAAAOA/AAAAAAAA4D8AAAAAAADgPwAAAAAAAOA/AAAAAAAA4D8AAAAAAADgPwAAAAAAAOA/AAAAAAAA4D8CAAAAjAAAAAEAAAAAAAAAIis1AP///wgAAAAAAAAAAAAAAAAAAAAAAAAAAAAAAAAAAAAAZAAAAAEAAABAAAAAAAAAAAAAAAAAAAAAAAAAAAAAAAAAAAAAAAAAAAAAAAAAAAAAAAAAAAAAAAAAAAAAAAAAAAAAAAAAAAAAAAAAAAAAAAAAAAAAAAAAAAAAAAAAAAAAFAAAADwAAAABAAAAAAAAAOfm5gooAAAAAQAAABQAAAAUAAAAFAAAAAEAAAAAAAAAZAAAAGQAAAAAAAAAZAAAAGQAAAAVAAAAYAAAAAAAAAAAAAAADwAAACADAAAAAAAAAAAAAAEAAACgMgAAVgcAAKr4//8BAAAAf39/AAEAAABkAAAAAAAAABQAAABAHwAAAAAAACYAAAAAAAAAwOD//wAAAAAmAAAAZAAAABYAAABMAAAAAAAAAAAAAAAEAAAAAAAAAAEAAADn5uYKAAAAACgAAAAoAAAAZAAAAGQAAAAAAAAAzMzMAAAAAABQAAAAUAAAAGQAAABkAAAAAAAAABcAAAAUAAAAAAAAAAAAAAD/fwAA/38AAAAAAAAJAAAABAAAAF8AYAAeAAAAaAAAAAAAAAAAAAAAAAAAAAAAAAAAAAAAECcAABAnAAAAAAAAAAAAAAAAAAAAAAAAAAAAAAAAAAAAAAAAAAAAABQAAAAAAAAAwMD/AAAAAABkAAAAMgAAAAAAAABkAAAAAAAAAH9/fwAKAAAAIgAAABgAAAAAAAAAAAAAAAAAAAAAAAAAAAAAAAAAAAAkAAAAJAAAAAAAAAAHAAAAAAAAAAAAAAAAAAAAAAAAAAAAAAAAAAAAf39/ACUAAABYAAAAAAAAAAAAAAAAAAAAAAAAAAAAAAAAAAAAAAAAAAAAAAAAAAAAAAAAAAAAAAA/AAAAAAAAAKCGAQAAAAAAAAAAAAAAAAAMAAAAAQAAAAAAAAAAAAAAAAAAAB8AAABUAAAAIis1AP///wEAAAAAAAAAAAAAAAAAAAAAAAAAAAAAAAAAAAAAAAAAAOfm5gN/f38A5+bmA8zMzADAwP8Af39/AAAAAAAAAAAAAAAAAAAAAAAAAAAAIQAAABgAAAAUAAAAQhQAAEkBAAC9NgAARAUAABAAAAAmAAAACAAAAP//////////"/>
               </a:ext>
             </a:extLst>
           </p:cNvSpPr>
@@ -12979,8 +12916,8 @@
               </a:lnSpc>
               <a:defRPr lang="pt-br" cap="none">
                 <a:latin typeface="Arial" pitchFamily="2" charset="0"/>
-                <a:ea typeface="DejaVu Sans" pitchFamily="0" charset="0"/>
-                <a:cs typeface="DejaVu Sans" pitchFamily="0" charset="0"/>
+                <a:ea typeface="DejaVu Sans" charset="0"/>
+                <a:cs typeface="DejaVu Sans" charset="0"/>
               </a:defRPr>
             </a:pPr>
             <a:r>
@@ -12988,9 +12925,9 @@
                 <a:solidFill>
                   <a:srgbClr val="FFFFFF"/>
                 </a:solidFill>
-                <a:latin typeface="Montserrat" pitchFamily="0" charset="0"/>
-                <a:ea typeface="DejaVu Sans" pitchFamily="0" charset="0"/>
-                <a:cs typeface="DejaVu Sans" pitchFamily="0" charset="0"/>
+                <a:latin typeface="Montserrat" charset="0"/>
+                <a:ea typeface="DejaVu Sans" charset="0"/>
+                <a:cs typeface="DejaVu Sans" charset="0"/>
               </a:rPr>
               <a:t>Objetos Estáticos</a:t>
             </a:r>
@@ -13004,7 +12941,7 @@
           <p:cNvPicPr>
             <a:extLst>
               <a:ext uri="smNativeData">
-                <pr:smNativeData xmlns:pr="smNativeData" xmlns="smNativeData" val="SMDATA_17_q5OGZBMAAAAlAAAAEQAAAA0AAAAAkAAAAEgAAACQAAAASAAAAAAAAAAAAAAAAAAAAAEAAABQAAAAAAAAAAAA4D8AAAAAAADgPwAAAAAAAOA/AAAAAAAA4D8AAAAAAADgPwAAAAAAAOA/AAAAAAAA4D8AAAAAAADgPwAAAAAAAOA/AAAAAAAA4D8CAAAAjAAAAAAAAAAAAAAARHLEDP///wgAAAAAAAAAAAAAAAAAAAAAAAAAAAAAAAAAAAAAZAAAAAEAAABAAAAAAAAAAAAAAAAAAAAAAAAAAAAAAAAAAAAAAAAAAAAAAAAAAAAAAAAAAAAAAAAAAAAAAAAAAAAAAAAAAAAAAAAAAAAAAAAAAAAAAAAAAAAAAAAAAAAAFAAAADwAAAAAAAAAAAAAAAAAAAkUAAAAAQAAABQAAAAUAAAAFAAAAAEAAAAAAAAAZAAAAGQAAAAAAAAAZAAAAGQAAAAVAAAAYAAAAAAAAAAAAAAADwAAACADAAAAAAAAAAAAAAEAAACgMgAAVgcAAKr4//8BAAAAf39/AAEAAABkAAAAAAAAABQAAABAHwAAAAAAACYAAAAAAAAAwOD//wAAAAAmAAAAZAAAABYAAABMAAAAAAAAAAAAAAAEAAAAAAAAAAEAAADn5uYKAAAAACgAAAAoAAAAZAAAAGQAAAAAAAAAzMzMAAAAAABQAAAAUAAAAGQAAABkAAAAAAAAAAcAAAA4AAAAAAAAAAAAAAAAAAAA////AAAAAAAAAAAAAAAAAAAAAAAAAAAAAAAAAAAAAABkAAAAZAAAAAAAAAAjAAAABAAAAGQAAAAXAAAAFAAAAAAAAAAAAAAA/38AAP9/AAAAAAAACQAAAAQAAAABAAAAHgAAAGgAAAAAAAAAAAAAAAAAAAAAAAAAAAAAABAnAAAQJwAAAAAAAAAAAAAAAAAAAAAAAAAAAAAAAAAAAAAAAAAAAAAUAAAAAAAAAMDA/wAAAAAAZAAAADIAAAAAAAAAZAAAAAAAAAB/f38ACgAAACIAAAAYAAAAAAAAAAAAAAAAAAAAAAAAAAAAAAAAAAAAJAAAACQAAAAAAAAABwAAAAAAAAAAAAAAAAAAAAAAAAAAAAAAAAAAAH9/fwAlAAAAWAAAAAAAAAAAAAAAAAAAAAAAAAAAAAAAAAAAAAAAAAAAAAAAAAAAAAAAAAAAAAAAPwAAAAAAAACghgEAAAAAAAAAAAAAAAAADAAAAAEAAAAAAAAAAAAAAAAAAAAfAAAAVAAAAERyxAX///8BAAAAAAAAAAAAAAAAAAAAAAAAAAAAAAAAAAAAAAAAAAAAAAACf39/AOfm5gPMzMwAwMD/AH9/fwAAAAAAAAAAAAAAAAD///8AAAAAACEAAAAYAAAAFAAAAOcoAAAjCgAAH0kAAFcgAAAQAAAAJgAAAAgAAAD//////////w=="/>
+                <pr:smNativeData xmlns="smNativeData" xmlns:pr="smNativeData" xmlns:p15="http://schemas.microsoft.com/office/powerpoint/2012/main" xmlns:p14="http://schemas.microsoft.com/office/powerpoint/2010/main" xmlns:mc="http://schemas.openxmlformats.org/markup-compatibility/2006" val="SMDATA_17_q5OGZBMAAAAlAAAAEQAAAA0AAAAAkAAAAEgAAACQAAAASAAAAAAAAAAAAAAAAAAAAAEAAABQAAAAAAAAAAAA4D8AAAAAAADgPwAAAAAAAOA/AAAAAAAA4D8AAAAAAADgPwAAAAAAAOA/AAAAAAAA4D8AAAAAAADgPwAAAAAAAOA/AAAAAAAA4D8CAAAAjAAAAAAAAAAAAAAARHLEDP///wgAAAAAAAAAAAAAAAAAAAAAAAAAAAAAAAAAAAAAZAAAAAEAAABAAAAAAAAAAAAAAAAAAAAAAAAAAAAAAAAAAAAAAAAAAAAAAAAAAAAAAAAAAAAAAAAAAAAAAAAAAAAAAAAAAAAAAAAAAAAAAAAAAAAAAAAAAAAAAAAAAAAAFAAAADwAAAAAAAAAAAAAAAAAAAkUAAAAAQAAABQAAAAUAAAAFAAAAAEAAAAAAAAAZAAAAGQAAAAAAAAAZAAAAGQAAAAVAAAAYAAAAAAAAAAAAAAADwAAACADAAAAAAAAAAAAAAEAAACgMgAAVgcAAKr4//8BAAAAf39/AAEAAABkAAAAAAAAABQAAABAHwAAAAAAACYAAAAAAAAAwOD//wAAAAAmAAAAZAAAABYAAABMAAAAAAAAAAAAAAAEAAAAAAAAAAEAAADn5uYKAAAAACgAAAAoAAAAZAAAAGQAAAAAAAAAzMzMAAAAAABQAAAAUAAAAGQAAABkAAAAAAAAAAcAAAA4AAAAAAAAAAAAAAAAAAAA////AAAAAAAAAAAAAAAAAAAAAAAAAAAAAAAAAAAAAABkAAAAZAAAAAAAAAAjAAAABAAAAGQAAAAXAAAAFAAAAAAAAAAAAAAA/38AAP9/AAAAAAAACQAAAAQAAAABAAAAHgAAAGgAAAAAAAAAAAAAAAAAAAAAAAAAAAAAABAnAAAQJwAAAAAAAAAAAAAAAAAAAAAAAAAAAAAAAAAAAAAAAAAAAAAUAAAAAAAAAMDA/wAAAAAAZAAAADIAAAAAAAAAZAAAAAAAAAB/f38ACgAAACIAAAAYAAAAAAAAAAAAAAAAAAAAAAAAAAAAAAAAAAAAJAAAACQAAAAAAAAABwAAAAAAAAAAAAAAAAAAAAAAAAAAAAAAAAAAAH9/fwAlAAAAWAAAAAAAAAAAAAAAAAAAAAAAAAAAAAAAAAAAAAAAAAAAAAAAAAAAAAAAAAAAAAAAPwAAAAAAAACghgEAAAAAAAAAAAAAAAAADAAAAAEAAAAAAAAAAAAAAAAAAAAfAAAAVAAAAERyxAX///8BAAAAAAAAAAAAAAAAAAAAAAAAAAAAAAAAAAAAAAAAAAAAAAACf39/AOfm5gPMzMwAwMD/AH9/fwAAAAAAAAAAAAAAAAD///8AAAAAACEAAAAYAAAAFAAAAOcoAAAjCgAAH0kAAFcgAAAQAAAAJgAAAAgAAAD//////////w=="/>
               </a:ext>
             </a:extLst>
           </p:cNvPicPr>
@@ -13036,18 +12973,11 @@
   <p:clrMapOvr>
     <a:masterClrMapping/>
   </p:clrMapOvr>
-  <p:timing>
-    <p:tnLst>
-      <p:par>
-        <p:cTn id="1" dur="indefinite" restart="never" nodeType="tmRoot"/>
-      </p:par>
-    </p:tnLst>
-  </p:timing>
 </p:sld>
 </file>
 
 <file path=ppt/slides/slide18.xml><?xml version="1.0" encoding="utf-8"?>
-<p:sld xmlns:p="http://schemas.openxmlformats.org/presentationml/2006/main" xmlns:mc="http://schemas.openxmlformats.org/markup-compatibility/2006" xmlns:p14="http://schemas.microsoft.com/office/powerpoint/2010/main" xmlns:p15="http://schemas.microsoft.com/office/powerpoint/2012/main" xmlns:r="http://schemas.openxmlformats.org/officeDocument/2006/relationships" xmlns:a="http://schemas.openxmlformats.org/drawingml/2006/main" mc:Ignorable="p14">
+<p:sld xmlns:a="http://schemas.openxmlformats.org/drawingml/2006/main" xmlns:r="http://schemas.openxmlformats.org/officeDocument/2006/relationships" xmlns:p="http://schemas.openxmlformats.org/presentationml/2006/main">
   <p:cSld>
     <p:bg>
       <p:bgPr>
@@ -13077,7 +13007,7 @@
           <p:cNvSpPr>
             <a:extLst>
               <a:ext uri="smNativeData">
-                <pr:smNativeData xmlns:pr="smNativeData" xmlns="smNativeData" val="SMDATA_15_q5OGZBMAAAAlAAAAqgAAAA0AAAAAkAAAAEgAAACQAAAASAAAAAAAAAAAAAAAAAAAAAEAAABQAAAAda9fBcX/xz8AAAAAAADgPwAAAAAAAOA/AAAAAAAA4D8AAAAAAADgPwAAAAAAAOA/AAAAAAAA4D8AAAAAAADgPwAAAAAAAOA/AAAAAAAA4D8CAAAAjAAAAAEAAAAAAAAANEBQAP///wgAAAAAAAAAAAAAAAAAAAAAAAAAAAAAAAAAAAAAZAAAAAEAAABAAAAAAAAAAAAAAAAAAAAAAAAAAAAAAAAAAAAAAAAAAAAAAAAAAAAAAAAAAAAAAAAAAAAAAAAAAAAAAAAAAAAAAAAAAAAAAAAAAAAAAAAAAAAAAAAAAAAAFAAAADwAAAABAAAAAAAAAP///wgoAAAAAQAAABQAAAAUAAAAFAAAAAEAAAAAAAAAZAAAAGQAAAAAAAAAZAAAAGQAAAAVAAAAYAAAAAAAAAAAAAAADwAAACADAAAAAAAAAAAAAAEAAACgMgAAVgcAAKr4//8BAAAAf39/AAEAAABkAAAAAAAAABQAAABAHwAAAAAAACYAAAAAAAAAwOD//wAAAAAmAAAAZAAAABYAAABMAAAAAAAAAAAAAAAEAAAAAAAAAAEAAADn5uYKAAAAACgAAAAoAAAAZAAAAGQAAAAAAAAAzMzMAAAAAABQAAAAUAAAAGQAAABkAAAAAAAAABcAAAAUAAAAAAAAAAAAAAD/fwAA/38AAAAAAAAJAAAABAAAAF8AYAAeAAAAaAAAAAAAAAAAAAAAAAAAAAAAAAAAAAAAECcAABAnAAAAAAAAAAAAAAAAAAAAAAAAAAAAAAAAAAAAAAAAAAAAABQAAAAAAAAAwMD/AAAAAABkAAAAMgAAAAAAAABkAAAAAAAAAH9/fwAKAAAAIgAAABgAAAAAAAAAAAAAAAAAAAAAAAAAAAAAAAAAAAAkAAAAJAAAAAAAAAAHAAAAAAAAAAAAAAAAAAAAAAAAAAAAAAAAAAAAf39/ACUAAABYAAAAAAAAAAAAAAAAAAAAAAAAAAAAAAAAAAAAAAAAAAAAAAAAAAAAAAAAAAAAAAA/AAAAAAAAAKCGAQAAAAAAAAAAAAAAAAAMAAAAAQAAAAAAAAAAAAAAAAAAAB8AAABUAAAANEBQAP///wEAAAAAAAAAAAAAAAAAAAAAAAAAAAAAAAAAAAAAAAAAAP///wF/f38A5+bmA8zMzADAwP8Af39/AAAAAAAAAAAAAAAAAAAAAAAAAAAAIQAAABgAAAAUAAAAAAAAAAAAAAD/SgAALyoAABAAAAAmAAAACAAAAP//////////"/>
+                <pr:smNativeData xmlns="smNativeData" xmlns:pr="smNativeData" xmlns:p15="http://schemas.microsoft.com/office/powerpoint/2012/main" xmlns:p14="http://schemas.microsoft.com/office/powerpoint/2010/main" xmlns:mc="http://schemas.openxmlformats.org/markup-compatibility/2006" val="SMDATA_15_q5OGZBMAAAAlAAAAqgAAAA0AAAAAkAAAAEgAAACQAAAASAAAAAAAAAAAAAAAAAAAAAEAAABQAAAAda9fBcX/xz8AAAAAAADgPwAAAAAAAOA/AAAAAAAA4D8AAAAAAADgPwAAAAAAAOA/AAAAAAAA4D8AAAAAAADgPwAAAAAAAOA/AAAAAAAA4D8CAAAAjAAAAAEAAAAAAAAANEBQAP///wgAAAAAAAAAAAAAAAAAAAAAAAAAAAAAAAAAAAAAZAAAAAEAAABAAAAAAAAAAAAAAAAAAAAAAAAAAAAAAAAAAAAAAAAAAAAAAAAAAAAAAAAAAAAAAAAAAAAAAAAAAAAAAAAAAAAAAAAAAAAAAAAAAAAAAAAAAAAAAAAAAAAAFAAAADwAAAABAAAAAAAAAP///wgoAAAAAQAAABQAAAAUAAAAFAAAAAEAAAAAAAAAZAAAAGQAAAAAAAAAZAAAAGQAAAAVAAAAYAAAAAAAAAAAAAAADwAAACADAAAAAAAAAAAAAAEAAACgMgAAVgcAAKr4//8BAAAAf39/AAEAAABkAAAAAAAAABQAAABAHwAAAAAAACYAAAAAAAAAwOD//wAAAAAmAAAAZAAAABYAAABMAAAAAAAAAAAAAAAEAAAAAAAAAAEAAADn5uYKAAAAACgAAAAoAAAAZAAAAGQAAAAAAAAAzMzMAAAAAABQAAAAUAAAAGQAAABkAAAAAAAAABcAAAAUAAAAAAAAAAAAAAD/fwAA/38AAAAAAAAJAAAABAAAAF8AYAAeAAAAaAAAAAAAAAAAAAAAAAAAAAAAAAAAAAAAECcAABAnAAAAAAAAAAAAAAAAAAAAAAAAAAAAAAAAAAAAAAAAAAAAABQAAAAAAAAAwMD/AAAAAABkAAAAMgAAAAAAAABkAAAAAAAAAH9/fwAKAAAAIgAAABgAAAAAAAAAAAAAAAAAAAAAAAAAAAAAAAAAAAAkAAAAJAAAAAAAAAAHAAAAAAAAAAAAAAAAAAAAAAAAAAAAAAAAAAAAf39/ACUAAABYAAAAAAAAAAAAAAAAAAAAAAAAAAAAAAAAAAAAAAAAAAAAAAAAAAAAAAAAAAAAAAA/AAAAAAAAAKCGAQAAAAAAAAAAAAAAAAAMAAAAAQAAAAAAAAAAAAAAAAAAAB8AAABUAAAANEBQAP///wEAAAAAAAAAAAAAAAAAAAAAAAAAAAAAAAAAAAAAAAAAAP///wF/f38A5+bmA8zMzADAwP8Af39/AAAAAAAAAAAAAAAAAAAAAAAAAAAAIQAAABgAAAAUAAAAAAAAAAAAAAD/SgAALyoAABAAAAAmAAAACAAAAP//////////"/>
               </a:ext>
             </a:extLst>
           </p:cNvSpPr>
@@ -13113,7 +13043,7 @@
           <p:cNvSpPr>
             <a:extLst>
               <a:ext uri="smNativeData">
-                <pr:smNativeData xmlns:pr="smNativeData" xmlns="smNativeData" val="SMDATA_15_q5OGZBMAAAAlAAAAZAAAAA0AAAAAjgAAAEcAAACOAAAARwAAAAAAAAABAAAAAAAAAAEAAABQAAAAAAAAAAAA4D8AAAAAAADgPwAAAAAAAOA/AAAAAAAA4D8AAAAAAADgPwAAAAAAAOA/AAAAAAAA4D8AAAAAAADgPwAAAAAAAOA/AAAAAAAA4D8CAAAAjAAAAAEAAAAAAAAAIis1AP///wgAAAAAAAAAAAAAAAAAAAAAAAAAAAAAAAAAAAAAZAAAAAEAAABAAAAAAAAAAAAAAAAAAAAAAAAAAAAAAAAAAAAAAAAAAAAAAAAAAAAAAAAAAAAAAAAAAAAAAAAAAAAAAAAAAAAAAAAAAAAAAAAAAAAAAAAAAAAAAAAAAAAAFAAAADwAAAABAAAAAAAAAOfm5gooAAAAAQAAABQAAAAUAAAAFAAAAAEAAAAAAAAAZAAAAGQAAAAAAAAAZAAAAGQAAAAVAAAAYAAAAAAAAAAAAAAADwAAACADAAAAAAAAAAAAAAEAAACgMgAAVgcAAKr4//8BAAAAf39/AAEAAABkAAAAAAAAABQAAABAHwAAAAAAACYAAAAAAAAAwOD//wAAAAAmAAAAZAAAABYAAABMAAAAAAAAAAAAAAAEAAAAAAAAAAEAAADn5uYKAAAAACgAAAAoAAAAZAAAAGQAAAAAAAAAzMzMAAAAAABQAAAAUAAAAGQAAABkAAAAAAAAABcAAAAUAAAAAAAAAAAAAAD/fwAA/38AAAAAAAAJAAAABAAAAGOKFw4eAAAAaAAAAAAAAAAAAAAAAAAAAAAAAAAAAAAAECcAABAnAAAAAAAAAAAAAAAAAAAAAAAAAAAAAAAAAAAAAAAAAAAAABQAAAAAAAAAwMD/AAAAAABkAAAAMgAAAAAAAABkAAAAAAAAAH9/fwAKAAAAIgAAABgAAAAAAAAAAAAAAAAAAAAAAAAAAAAAAAAAAAAkAAAAJAAAAAAAAAAHAAAAAAAAAAAAAAAAAAAAAAAAAAAAAAAAAAAAf39/ACUAAABYAAAAAAAAAAAAAAAAAAAAAAAAAAAAAAAAAAAAAAAAAAAAAAAAAAAAAAAAAAAAAAA/AAAAAAAAAKCGAQAAAAAAAAAAAAAAAAAMAAAAAQAAAAAAAAAAAAAAAAAAAB8AAABUAAAAIis1AP///wEAAAAAAAAAAAAAAAAAAAAAAAAAAAAAAAAAAAAAAAAAAOfm5gN/f38A5+bmA8zMzADAwP8Af39/AAAAAAAAAAAAAAAAAAAAAAAAAAAAIQAAABgAAAAUAAAAQhQAAEkBAAC9NgAARAUAABAAAAAmAAAACAAAAP//////////"/>
+                <pr:smNativeData xmlns="smNativeData" xmlns:pr="smNativeData" xmlns:p15="http://schemas.microsoft.com/office/powerpoint/2012/main" xmlns:p14="http://schemas.microsoft.com/office/powerpoint/2010/main" xmlns:mc="http://schemas.openxmlformats.org/markup-compatibility/2006" val="SMDATA_15_q5OGZBMAAAAlAAAAZAAAAA0AAAAAjgAAAEcAAACOAAAARwAAAAAAAAABAAAAAAAAAAEAAABQAAAAAAAAAAAA4D8AAAAAAADgPwAAAAAAAOA/AAAAAAAA4D8AAAAAAADgPwAAAAAAAOA/AAAAAAAA4D8AAAAAAADgPwAAAAAAAOA/AAAAAAAA4D8CAAAAjAAAAAEAAAAAAAAAIis1AP///wgAAAAAAAAAAAAAAAAAAAAAAAAAAAAAAAAAAAAAZAAAAAEAAABAAAAAAAAAAAAAAAAAAAAAAAAAAAAAAAAAAAAAAAAAAAAAAAAAAAAAAAAAAAAAAAAAAAAAAAAAAAAAAAAAAAAAAAAAAAAAAAAAAAAAAAAAAAAAAAAAAAAAFAAAADwAAAABAAAAAAAAAOfm5gooAAAAAQAAABQAAAAUAAAAFAAAAAEAAAAAAAAAZAAAAGQAAAAAAAAAZAAAAGQAAAAVAAAAYAAAAAAAAAAAAAAADwAAACADAAAAAAAAAAAAAAEAAACgMgAAVgcAAKr4//8BAAAAf39/AAEAAABkAAAAAAAAABQAAABAHwAAAAAAACYAAAAAAAAAwOD//wAAAAAmAAAAZAAAABYAAABMAAAAAAAAAAAAAAAEAAAAAAAAAAEAAADn5uYKAAAAACgAAAAoAAAAZAAAAGQAAAAAAAAAzMzMAAAAAABQAAAAUAAAAGQAAABkAAAAAAAAABcAAAAUAAAAAAAAAAAAAAD/fwAA/38AAAAAAAAJAAAABAAAAGOKFw4eAAAAaAAAAAAAAAAAAAAAAAAAAAAAAAAAAAAAECcAABAnAAAAAAAAAAAAAAAAAAAAAAAAAAAAAAAAAAAAAAAAAAAAABQAAAAAAAAAwMD/AAAAAABkAAAAMgAAAAAAAABkAAAAAAAAAH9/fwAKAAAAIgAAABgAAAAAAAAAAAAAAAAAAAAAAAAAAAAAAAAAAAAkAAAAJAAAAAAAAAAHAAAAAAAAAAAAAAAAAAAAAAAAAAAAAAAAAAAAf39/ACUAAABYAAAAAAAAAAAAAAAAAAAAAAAAAAAAAAAAAAAAAAAAAAAAAAAAAAAAAAAAAAAAAAA/AAAAAAAAAKCGAQAAAAAAAAAAAAAAAAAMAAAAAQAAAAAAAAAAAAAAAAAAAB8AAABUAAAAIis1AP///wEAAAAAAAAAAAAAAAAAAAAAAAAAAAAAAAAAAAAAAAAAAOfm5gN/f38A5+bmA8zMzADAwP8Af39/AAAAAAAAAAAAAAAAAAAAAAAAAAAAIQAAABgAAAAUAAAAQhQAAEkBAAC9NgAARAUAABAAAAAmAAAACAAAAP//////////"/>
               </a:ext>
             </a:extLst>
           </p:cNvSpPr>
@@ -13150,8 +13080,8 @@
               </a:lnSpc>
               <a:defRPr lang="pt-br" cap="none">
                 <a:latin typeface="Arial" pitchFamily="2" charset="0"/>
-                <a:ea typeface="DejaVu Sans" pitchFamily="0" charset="0"/>
-                <a:cs typeface="DejaVu Sans" pitchFamily="0" charset="0"/>
+                <a:ea typeface="DejaVu Sans" charset="0"/>
+                <a:cs typeface="DejaVu Sans" charset="0"/>
               </a:defRPr>
             </a:pPr>
             <a:r>
@@ -13159,9 +13089,9 @@
                 <a:solidFill>
                   <a:srgbClr val="FFFFFF"/>
                 </a:solidFill>
-                <a:latin typeface="Montserrat" pitchFamily="0" charset="0"/>
-                <a:ea typeface="DejaVu Sans" pitchFamily="0" charset="0"/>
-                <a:cs typeface="DejaVu Sans" pitchFamily="0" charset="0"/>
+                <a:latin typeface="Montserrat" charset="0"/>
+                <a:ea typeface="DejaVu Sans" charset="0"/>
+                <a:cs typeface="DejaVu Sans" charset="0"/>
               </a:rPr>
               <a:t>Exemplos POO</a:t>
             </a:r>
@@ -13175,7 +13105,7 @@
           <p:cNvPicPr>
             <a:extLst>
               <a:ext uri="smNativeData">
-                <pr:smNativeData xmlns:pr="smNativeData" xmlns="smNativeData" val="SMDATA_17_q5OGZBMAAAAlAAAAEQAAAA0AAAAAkAAAAEgAAACQAAAASAAAAAAAAAAAAAAAAAAAAAEAAABQAAAAAAAAAAAA4D8AAAAAAADgPwAAAAAAAOA/AAAAAAAA4D8AAAAAAADgPwAAAAAAAOA/AAAAAAAA4D8AAAAAAADgPwAAAAAAAOA/AAAAAAAA4D8CAAAAjAAAAAAAAAAAAAAARHLEDP///wgAAAAAAAAAAAAAAAAAAAAAAAAAAAAAAAAAAAAAZAAAAAEAAABAAAAAAAAAAAAAAAAAAAAAAAAAAAAAAAAAAAAAAAAAAAAAAAAAAAAAAAAAAAAAAAAAAAAAAAAAAAAAAAAAAAAAAAAAAAAAAAAAAAAAAAAAAAAAAAAAAAAAFAAAADwAAAAAAAAAAAAAAAAAAAkUAAAAAQAAABQAAAAUAAAAFAAAAAEAAAAAAAAAZAAAAGQAAAAAAAAAZAAAAGQAAAAVAAAAYAAAAAAAAAAAAAAADwAAACADAAAAAAAAAAAAAAEAAACgMgAAVgcAAKr4//8BAAAAf39/AAEAAABkAAAAAAAAABQAAABAHwAAAAAAACYAAAAAAAAAwOD//wAAAAAmAAAAZAAAABYAAABMAAAAAAAAAAAAAAAEAAAAAAAAAAEAAADn5uYKAAAAACgAAAAoAAAAZAAAAGQAAAAAAAAAzMzMAAAAAABQAAAAUAAAAGQAAABkAAAAAAAAAAcAAAA4AAAAAAAAAAAAAAAAAAAA////AAAAAAAAAAAAAAAAAAAAAAAAAAAAAAAAAAAAAABkAAAAZAAAAAAAAAAjAAAABAAAAGQAAAAXAAAAFAAAAAAAAAAAAAAA/38AAP9/AAAAAAAACQAAAAQAAAAOAAAAHgAAAGgAAAAAAAAAAAAAAAAAAAAAAAAAAAAAABAnAAAQJwAAAAAAAAAAAAAAAAAAAAAAAAAAAAAAAAAAAAAAAAAAAAAUAAAAAAAAAMDA/wAAAAAAZAAAADIAAAAAAAAAZAAAAAAAAAB/f38ACgAAACIAAAAYAAAAAAAAAAAAAAAAAAAAAAAAAAAAAAAAAAAAJAAAACQAAAAAAAAABwAAAAAAAAAAAAAAAAAAAAAAAAAAAAAAAAAAAH9/fwAlAAAAWAAAAAAAAAAAAAAAAAAAAAAAAAAAAAAAAAAAAAAAAAAAAAAAAAAAAAAAAAAAAAAAPwAAAAAAAACghgEAAAAAAAAAAAAAAAAADAAAAAEAAAAAAAAAAAAAAAAAAAAfAAAAVAAAAERyxAX///8BAAAAAAAAAAAAAAAAAAAAAAAAAAAAAAAAAAAAAAAAAAAAAAACf39/AOfm5gPMzMwAwMD/AH9/fwAAAAAAAAAAAAAAAAD///8AAAAAACEAAAAYAAAAFAAAAKAFAABwCAAA9yUAALwmAAAQAAAAJgAAAAgAAAD//////////w=="/>
+                <pr:smNativeData xmlns="smNativeData" xmlns:pr="smNativeData" xmlns:p15="http://schemas.microsoft.com/office/powerpoint/2012/main" xmlns:p14="http://schemas.microsoft.com/office/powerpoint/2010/main" xmlns:mc="http://schemas.openxmlformats.org/markup-compatibility/2006" val="SMDATA_17_q5OGZBMAAAAlAAAAEQAAAA0AAAAAkAAAAEgAAACQAAAASAAAAAAAAAAAAAAAAAAAAAEAAABQAAAAAAAAAAAA4D8AAAAAAADgPwAAAAAAAOA/AAAAAAAA4D8AAAAAAADgPwAAAAAAAOA/AAAAAAAA4D8AAAAAAADgPwAAAAAAAOA/AAAAAAAA4D8CAAAAjAAAAAAAAAAAAAAARHLEDP///wgAAAAAAAAAAAAAAAAAAAAAAAAAAAAAAAAAAAAAZAAAAAEAAABAAAAAAAAAAAAAAAAAAAAAAAAAAAAAAAAAAAAAAAAAAAAAAAAAAAAAAAAAAAAAAAAAAAAAAAAAAAAAAAAAAAAAAAAAAAAAAAAAAAAAAAAAAAAAAAAAAAAAFAAAADwAAAAAAAAAAAAAAAAAAAkUAAAAAQAAABQAAAAUAAAAFAAAAAEAAAAAAAAAZAAAAGQAAAAAAAAAZAAAAGQAAAAVAAAAYAAAAAAAAAAAAAAADwAAACADAAAAAAAAAAAAAAEAAACgMgAAVgcAAKr4//8BAAAAf39/AAEAAABkAAAAAAAAABQAAABAHwAAAAAAACYAAAAAAAAAwOD//wAAAAAmAAAAZAAAABYAAABMAAAAAAAAAAAAAAAEAAAAAAAAAAEAAADn5uYKAAAAACgAAAAoAAAAZAAAAGQAAAAAAAAAzMzMAAAAAABQAAAAUAAAAGQAAABkAAAAAAAAAAcAAAA4AAAAAAAAAAAAAAAAAAAA////AAAAAAAAAAAAAAAAAAAAAAAAAAAAAAAAAAAAAABkAAAAZAAAAAAAAAAjAAAABAAAAGQAAAAXAAAAFAAAAAAAAAAAAAAA/38AAP9/AAAAAAAACQAAAAQAAAAOAAAAHgAAAGgAAAAAAAAAAAAAAAAAAAAAAAAAAAAAABAnAAAQJwAAAAAAAAAAAAAAAAAAAAAAAAAAAAAAAAAAAAAAAAAAAAAUAAAAAAAAAMDA/wAAAAAAZAAAADIAAAAAAAAAZAAAAAAAAAB/f38ACgAAACIAAAAYAAAAAAAAAAAAAAAAAAAAAAAAAAAAAAAAAAAAJAAAACQAAAAAAAAABwAAAAAAAAAAAAAAAAAAAAAAAAAAAAAAAAAAAH9/fwAlAAAAWAAAAAAAAAAAAAAAAAAAAAAAAAAAAAAAAAAAAAAAAAAAAAAAAAAAAAAAAAAAAAAAPwAAAAAAAACghgEAAAAAAAAAAAAAAAAADAAAAAEAAAAAAAAAAAAAAAAAAAAfAAAAVAAAAERyxAX///8BAAAAAAAAAAAAAAAAAAAAAAAAAAAAAAAAAAAAAAAAAAAAAAACf39/AOfm5gPMzMwAwMD/AH9/fwAAAAAAAAAAAAAAAAD///8AAAAAACEAAAAYAAAAFAAAAKAFAABwCAAA9yUAALwmAAAQAAAAJgAAAAgAAAD//////////w=="/>
               </a:ext>
             </a:extLst>
           </p:cNvPicPr>
@@ -13208,7 +13138,7 @@
           <p:cNvPicPr>
             <a:extLst>
               <a:ext uri="smNativeData">
-                <pr:smNativeData xmlns:pr="smNativeData" xmlns="smNativeData" val="SMDATA_17_q5OGZBMAAAAlAAAAEQAAAA0AAAAAkAAAAEgAAACQAAAASAAAAAAAAAAAAAAAAAAAAAEAAABQAAAAAAAAAAAA4D8AAAAAAADgPwAAAAAAAOA/AAAAAAAA4D8AAAAAAADgPwAAAAAAAOA/AAAAAAAA4D8AAAAAAADgPwAAAAAAAOA/AAAAAAAA4D8CAAAAjAAAAAAAAAAAAAAARHLEDP///wgAAAAAAAAAAAAAAAAAAAAAAAAAAAAAAAAAAAAAZAAAAAEAAABAAAAAAAAAAAAAAAAAAAAAAAAAAAAAAAAAAAAAAAAAAAAAAAAAAAAAAAAAAAAAAAAAAAAAAAAAAAAAAAAAAAAAAAAAAAAAAAAAAAAAAAAAAAAAAAAAAAAAFAAAADwAAAAAAAAAAAAAAAAAAAkUAAAAAQAAABQAAAAUAAAAFAAAAAEAAAAAAAAAZAAAAGQAAAAAAAAAZAAAAGQAAAAVAAAAYAAAAAAAAAAAAAAADwAAACADAAAAAAAAAAAAAAEAAACgMgAAVgcAAKr4//8BAAAAf39/AAEAAABkAAAAAAAAABQAAABAHwAAAAAAACYAAAAAAAAAwOD//wAAAAAmAAAAZAAAABYAAABMAAAAAAAAAAAAAAAEAAAAAAAAAAEAAADn5uYKAAAAACgAAAAoAAAAZAAAAGQAAAAAAAAAzMzMAAAAAABQAAAAUAAAAGQAAABkAAAAAAAAAAcAAAA4AAAAAAAAAAAAAAAAAAAA////AAAAAAAAAAAAAAAAAAAAAAAAAAAAAAAAAAAAAABkAAAAZAAAAAAAAAAjAAAABAAAAGQAAAAXAAAAFAAAAAAAAAAAAAAA/38AAP9/AAAAAAAACQAAAAQAAAABAAAAHgAAAGgAAAAAAAAAAAAAAAAAAAAAAAAAAAAAABAnAAAQJwAAAAAAAAAAAAAAAAAAAAAAAAAAAAAAAAAAAAAAAAAAAAAUAAAAAAAAAMDA/wAAAAAAZAAAADIAAAAAAAAAZAAAAAAAAAB/f38ACgAAACIAAAAYAAAAAAAAAAAAAAAAAAAAAAAAAAAAAAAAAAAAJAAAACQAAAAAAAAABwAAAAAAAAAAAAAAAAAAAAAAAAAAAAAAAAAAAH9/fwAlAAAAWAAAAAAAAAAAAAAAAAAAAAAAAAAAAAAAAAAAAAAAAAAAAAAAAAAAAAAAAAAAAAAAPwAAAAAAAACghgEAAAAAAAAAAAAAAAAADAAAAAEAAAAAAAAAAAAAAAAAAAAfAAAAVAAAAERyxAX///8BAAAAAAAAAAAAAAAAAAAAAAAAAAAAAAAAAAAAAAAAAAAAAAACf39/AOfm5gPMzMwAwMD/AH9/fwAAAAAAAAAAAAAAAAD///8AAAAAACEAAAAYAAAAFAAAAH0pAABACwAAH0kAAI8kAAAQAAAAJgAAAAgAAAD//////////w=="/>
+                <pr:smNativeData xmlns="smNativeData" xmlns:pr="smNativeData" xmlns:p15="http://schemas.microsoft.com/office/powerpoint/2012/main" xmlns:p14="http://schemas.microsoft.com/office/powerpoint/2010/main" xmlns:mc="http://schemas.openxmlformats.org/markup-compatibility/2006" val="SMDATA_17_q5OGZBMAAAAlAAAAEQAAAA0AAAAAkAAAAEgAAACQAAAASAAAAAAAAAAAAAAAAAAAAAEAAABQAAAAAAAAAAAA4D8AAAAAAADgPwAAAAAAAOA/AAAAAAAA4D8AAAAAAADgPwAAAAAAAOA/AAAAAAAA4D8AAAAAAADgPwAAAAAAAOA/AAAAAAAA4D8CAAAAjAAAAAAAAAAAAAAARHLEDP///wgAAAAAAAAAAAAAAAAAAAAAAAAAAAAAAAAAAAAAZAAAAAEAAABAAAAAAAAAAAAAAAAAAAAAAAAAAAAAAAAAAAAAAAAAAAAAAAAAAAAAAAAAAAAAAAAAAAAAAAAAAAAAAAAAAAAAAAAAAAAAAAAAAAAAAAAAAAAAAAAAAAAAFAAAADwAAAAAAAAAAAAAAAAAAAkUAAAAAQAAABQAAAAUAAAAFAAAAAEAAAAAAAAAZAAAAGQAAAAAAAAAZAAAAGQAAAAVAAAAYAAAAAAAAAAAAAAADwAAACADAAAAAAAAAAAAAAEAAACgMgAAVgcAAKr4//8BAAAAf39/AAEAAABkAAAAAAAAABQAAABAHwAAAAAAACYAAAAAAAAAwOD//wAAAAAmAAAAZAAAABYAAABMAAAAAAAAAAAAAAAEAAAAAAAAAAEAAADn5uYKAAAAACgAAAAoAAAAZAAAAGQAAAAAAAAAzMzMAAAAAABQAAAAUAAAAGQAAABkAAAAAAAAAAcAAAA4AAAAAAAAAAAAAAAAAAAA////AAAAAAAAAAAAAAAAAAAAAAAAAAAAAAAAAAAAAABkAAAAZAAAAAAAAAAjAAAABAAAAGQAAAAXAAAAFAAAAAAAAAAAAAAA/38AAP9/AAAAAAAACQAAAAQAAAABAAAAHgAAAGgAAAAAAAAAAAAAAAAAAAAAAAAAAAAAABAnAAAQJwAAAAAAAAAAAAAAAAAAAAAAAAAAAAAAAAAAAAAAAAAAAAAUAAAAAAAAAMDA/wAAAAAAZAAAADIAAAAAAAAAZAAAAAAAAAB/f38ACgAAACIAAAAYAAAAAAAAAAAAAAAAAAAAAAAAAAAAAAAAAAAAJAAAACQAAAAAAAAABwAAAAAAAAAAAAAAAAAAAAAAAAAAAAAAAAAAAH9/fwAlAAAAWAAAAAAAAAAAAAAAAAAAAAAAAAAAAAAAAAAAAAAAAAAAAAAAAAAAAAAAAAAAAAAAPwAAAAAAAACghgEAAAAAAAAAAAAAAAAADAAAAAEAAAAAAAAAAAAAAAAAAAAfAAAAVAAAAERyxAX///8BAAAAAAAAAAAAAAAAAAAAAAAAAAAAAAAAAAAAAAAAAAAAAAACf39/AOfm5gPMzMwAwMD/AH9/fwAAAAAAAAAAAAAAAAD///8AAAAAACEAAAAYAAAAFAAAAH0pAABACwAAH0kAAI8kAAAQAAAAJgAAAAgAAAD//////////w=="/>
               </a:ext>
             </a:extLst>
           </p:cNvPicPr>
@@ -13240,18 +13170,11 @@
   <p:clrMapOvr>
     <a:masterClrMapping/>
   </p:clrMapOvr>
-  <p:timing>
-    <p:tnLst>
-      <p:par>
-        <p:cTn id="1" dur="indefinite" restart="never" nodeType="tmRoot"/>
-      </p:par>
-    </p:tnLst>
-  </p:timing>
 </p:sld>
 </file>
 
 <file path=ppt/slides/slide19.xml><?xml version="1.0" encoding="utf-8"?>
-<p:sld xmlns:p="http://schemas.openxmlformats.org/presentationml/2006/main" xmlns:mc="http://schemas.openxmlformats.org/markup-compatibility/2006" xmlns:p14="http://schemas.microsoft.com/office/powerpoint/2010/main" xmlns:p15="http://schemas.microsoft.com/office/powerpoint/2012/main" xmlns:r="http://schemas.openxmlformats.org/officeDocument/2006/relationships" xmlns:a="http://schemas.openxmlformats.org/drawingml/2006/main" mc:Ignorable="p14">
+<p:sld xmlns:a="http://schemas.openxmlformats.org/drawingml/2006/main" xmlns:r="http://schemas.openxmlformats.org/officeDocument/2006/relationships" xmlns:p="http://schemas.openxmlformats.org/presentationml/2006/main">
   <p:cSld>
     <p:bg>
       <p:bgPr>
@@ -13281,7 +13204,7 @@
           <p:cNvSpPr>
             <a:extLst>
               <a:ext uri="smNativeData">
-                <pr:smNativeData xmlns:pr="smNativeData" xmlns="smNativeData" val="SMDATA_15_q5OGZBMAAAAlAAAAqgAAAA0AAAAAkAAAAEgAAACQAAAASAAAAAAAAAAAAAAAAAAAAAEAAABQAAAAda9fBcX/xz8AAAAAAADgPwAAAAAAAOA/AAAAAAAA4D8AAAAAAADgPwAAAAAAAOA/AAAAAAAA4D8AAAAAAADgPwAAAAAAAOA/AAAAAAAA4D8CAAAAjAAAAAEAAAAAAAAANEBQAP///wgAAAAAAAAAAAAAAAAAAAAAAAAAAAAAAAAAAAAAZAAAAAEAAABAAAAAAAAAAAAAAAAAAAAAAAAAAAAAAAAAAAAAAAAAAAAAAAAAAAAAAAAAAAAAAAAAAAAAAAAAAAAAAAAAAAAAAAAAAAAAAAAAAAAAAAAAAAAAAAAAAAAAFAAAADwAAAABAAAAAAAAAP///wgoAAAAAQAAABQAAAAUAAAAFAAAAAEAAAAAAAAAZAAAAGQAAAAAAAAAZAAAAGQAAAAVAAAAYAAAAAAAAAAAAAAADwAAACADAAAAAAAAAAAAAAEAAACgMgAAVgcAAKr4//8BAAAAf39/AAEAAABkAAAAAAAAABQAAABAHwAAAAAAACYAAAAAAAAAwOD//wAAAAAmAAAAZAAAABYAAABMAAAAAAAAAAAAAAAEAAAAAAAAAAEAAADn5uYKAAAAACgAAAAoAAAAZAAAAGQAAAAAAAAAzMzMAAAAAABQAAAAUAAAAGQAAABkAAAAAAAAABcAAAAUAAAAAAAAAAAAAAD/fwAA/38AAAAAAAAJAAAABAAAAPz///8eAAAAaAAAAAAAAAAAAAAAAAAAAAAAAAAAAAAAECcAABAnAAAAAAAAAAAAAAAAAAAAAAAAAAAAAAAAAAAAAAAAAAAAABQAAAAAAAAAwMD/AAAAAABkAAAAMgAAAAAAAABkAAAAAAAAAH9/fwAKAAAAIgAAABgAAAAAAAAAAAAAAAAAAAAAAAAAAAAAAAAAAAAkAAAAJAAAAAAAAAAHAAAAAAAAAAAAAAAAAAAAAAAAAAAAAAAAAAAAf39/ACUAAABYAAAAAAAAAAAAAAAAAAAAAAAAAAAAAAAAAAAAAAAAAAAAAAAAAAAAAAAAAAAAAAA/AAAAAAAAAKCGAQAAAAAAAAAAAAAAAAAMAAAAAQAAAAAAAAAAAAAAAAAAAB8AAABUAAAANEBQAP///wEAAAAAAAAAAAAAAAAAAAAAAAAAAAAAAAAAAAAAAAAAAP///wF/f38A5+bmA8zMzADAwP8Af39/AAAAAAAAAAAAAAAAAAAAAAAAAAAAIQAAABgAAAAUAAAAAAAAAAAAAAD/SgAALyoAABAAAAAmAAAACAAAAP//////////"/>
+                <pr:smNativeData xmlns="smNativeData" xmlns:pr="smNativeData" xmlns:p15="http://schemas.microsoft.com/office/powerpoint/2012/main" xmlns:p14="http://schemas.microsoft.com/office/powerpoint/2010/main" xmlns:mc="http://schemas.openxmlformats.org/markup-compatibility/2006" val="SMDATA_15_q5OGZBMAAAAlAAAAqgAAAA0AAAAAkAAAAEgAAACQAAAASAAAAAAAAAAAAAAAAAAAAAEAAABQAAAAda9fBcX/xz8AAAAAAADgPwAAAAAAAOA/AAAAAAAA4D8AAAAAAADgPwAAAAAAAOA/AAAAAAAA4D8AAAAAAADgPwAAAAAAAOA/AAAAAAAA4D8CAAAAjAAAAAEAAAAAAAAANEBQAP///wgAAAAAAAAAAAAAAAAAAAAAAAAAAAAAAAAAAAAAZAAAAAEAAABAAAAAAAAAAAAAAAAAAAAAAAAAAAAAAAAAAAAAAAAAAAAAAAAAAAAAAAAAAAAAAAAAAAAAAAAAAAAAAAAAAAAAAAAAAAAAAAAAAAAAAAAAAAAAAAAAAAAAFAAAADwAAAABAAAAAAAAAP///wgoAAAAAQAAABQAAAAUAAAAFAAAAAEAAAAAAAAAZAAAAGQAAAAAAAAAZAAAAGQAAAAVAAAAYAAAAAAAAAAAAAAADwAAACADAAAAAAAAAAAAAAEAAACgMgAAVgcAAKr4//8BAAAAf39/AAEAAABkAAAAAAAAABQAAABAHwAAAAAAACYAAAAAAAAAwOD//wAAAAAmAAAAZAAAABYAAABMAAAAAAAAAAAAAAAEAAAAAAAAAAEAAADn5uYKAAAAACgAAAAoAAAAZAAAAGQAAAAAAAAAzMzMAAAAAABQAAAAUAAAAGQAAABkAAAAAAAAABcAAAAUAAAAAAAAAAAAAAD/fwAA/38AAAAAAAAJAAAABAAAAPz///8eAAAAaAAAAAAAAAAAAAAAAAAAAAAAAAAAAAAAECcAABAnAAAAAAAAAAAAAAAAAAAAAAAAAAAAAAAAAAAAAAAAAAAAABQAAAAAAAAAwMD/AAAAAABkAAAAMgAAAAAAAABkAAAAAAAAAH9/fwAKAAAAIgAAABgAAAAAAAAAAAAAAAAAAAAAAAAAAAAAAAAAAAAkAAAAJAAAAAAAAAAHAAAAAAAAAAAAAAAAAAAAAAAAAAAAAAAAAAAAf39/ACUAAABYAAAAAAAAAAAAAAAAAAAAAAAAAAAAAAAAAAAAAAAAAAAAAAAAAAAAAAAAAAAAAAA/AAAAAAAAAKCGAQAAAAAAAAAAAAAAAAAMAAAAAQAAAAAAAAAAAAAAAAAAAB8AAABUAAAANEBQAP///wEAAAAAAAAAAAAAAAAAAAAAAAAAAAAAAAAAAAAAAAAAAP///wF/f38A5+bmA8zMzADAwP8Af39/AAAAAAAAAAAAAAAAAAAAAAAAAAAAIQAAABgAAAAUAAAAAAAAAAAAAAD/SgAALyoAABAAAAAmAAAACAAAAP//////////"/>
               </a:ext>
             </a:extLst>
           </p:cNvSpPr>
@@ -13317,7 +13240,7 @@
           <p:cNvSpPr>
             <a:extLst>
               <a:ext uri="smNativeData">
-                <pr:smNativeData xmlns:pr="smNativeData" xmlns="smNativeData" val="SMDATA_15_q5OGZBMAAAAlAAAAZAAAAA0AAAAAjgAAAEcAAACOAAAARwAAAAAAAAABAAAAAAAAAAEAAABQAAAAAAAAAAAA4D8AAAAAAADgPwAAAAAAAOA/AAAAAAAA4D8AAAAAAADgPwAAAAAAAOA/AAAAAAAA4D8AAAAAAADgPwAAAAAAAOA/AAAAAAAA4D8CAAAAjAAAAAEAAAAAAAAAIis1AP///wgAAAAAAAAAAAAAAAAAAAAAAAAAAAAAAAAAAAAAZAAAAAEAAABAAAAAAAAAAAAAAAAAAAAAAAAAAAAAAAAAAAAAAAAAAAAAAAAAAAAAAAAAAAAAAAAAAAAAAAAAAAAAAAAAAAAAAAAAAAAAAAAAAAAAAAAAAAAAAAAAAAAAFAAAADwAAAABAAAAAAAAAOfm5gooAAAAAQAAABQAAAAUAAAAFAAAAAEAAAAAAAAAZAAAAGQAAAAAAAAAZAAAAGQAAAAVAAAAYAAAAAAAAAAAAAAADwAAACADAAAAAAAAAAAAAAEAAACgMgAAVgcAAKr4//8BAAAAf39/AAEAAABkAAAAAAAAABQAAABAHwAAAAAAACYAAAAAAAAAwOD//wAAAAAmAAAAZAAAABYAAABMAAAAAAAAAAAAAAAEAAAAAAAAAAEAAADn5uYKAAAAACgAAAAoAAAAZAAAAGQAAAAAAAAAzMzMAAAAAABQAAAAUAAAAGQAAABkAAAAAAAAABcAAAAUAAAAAAAAAAAAAAD/fwAA/38AAAAAAAAJAAAABAAAAPP///8eAAAAaAAAAAAAAAAAAAAAAAAAAAAAAAAAAAAAECcAABAnAAAAAAAAAAAAAAAAAAAAAAAAAAAAAAAAAAAAAAAAAAAAABQAAAAAAAAAwMD/AAAAAABkAAAAMgAAAAAAAABkAAAAAAAAAH9/fwAKAAAAIgAAABgAAAAAAAAAAAAAAAAAAAAAAAAAAAAAAAAAAAAkAAAAJAAAAAAAAAAHAAAAAAAAAAAAAAAAAAAAAAAAAAAAAAAAAAAAf39/ACUAAABYAAAAAAAAAAAAAAAAAAAAAAAAAAAAAAAAAAAAAAAAAAAAAAAAAAAAAAAAAAAAAAA/AAAAAAAAAKCGAQAAAAAAAAAAAAAAAAAMAAAAAQAAAAAAAAAAAAAAAAAAAB8AAABUAAAAIis1AP///wEAAAAAAAAAAAAAAAAAAAAAAAAAAAAAAAAAAAAAAAAAAOfm5gN/f38A5+bmA8zMzADAwP8Af39/AAAAAAAAAAAAAAAAAAAAAAAAAAAAIQAAABgAAAAUAAAAQhQAAEkBAAC9NgAARAUAABAAAAAmAAAACAAAAP//////////"/>
+                <pr:smNativeData xmlns="smNativeData" xmlns:pr="smNativeData" xmlns:p15="http://schemas.microsoft.com/office/powerpoint/2012/main" xmlns:p14="http://schemas.microsoft.com/office/powerpoint/2010/main" xmlns:mc="http://schemas.openxmlformats.org/markup-compatibility/2006" val="SMDATA_15_q5OGZBMAAAAlAAAAZAAAAA0AAAAAjgAAAEcAAACOAAAARwAAAAAAAAABAAAAAAAAAAEAAABQAAAAAAAAAAAA4D8AAAAAAADgPwAAAAAAAOA/AAAAAAAA4D8AAAAAAADgPwAAAAAAAOA/AAAAAAAA4D8AAAAAAADgPwAAAAAAAOA/AAAAAAAA4D8CAAAAjAAAAAEAAAAAAAAAIis1AP///wgAAAAAAAAAAAAAAAAAAAAAAAAAAAAAAAAAAAAAZAAAAAEAAABAAAAAAAAAAAAAAAAAAAAAAAAAAAAAAAAAAAAAAAAAAAAAAAAAAAAAAAAAAAAAAAAAAAAAAAAAAAAAAAAAAAAAAAAAAAAAAAAAAAAAAAAAAAAAAAAAAAAAFAAAADwAAAABAAAAAAAAAOfm5gooAAAAAQAAABQAAAAUAAAAFAAAAAEAAAAAAAAAZAAAAGQAAAAAAAAAZAAAAGQAAAAVAAAAYAAAAAAAAAAAAAAADwAAACADAAAAAAAAAAAAAAEAAACgMgAAVgcAAKr4//8BAAAAf39/AAEAAABkAAAAAAAAABQAAABAHwAAAAAAACYAAAAAAAAAwOD//wAAAAAmAAAAZAAAABYAAABMAAAAAAAAAAAAAAAEAAAAAAAAAAEAAADn5uYKAAAAACgAAAAoAAAAZAAAAGQAAAAAAAAAzMzMAAAAAABQAAAAUAAAAGQAAABkAAAAAAAAABcAAAAUAAAAAAAAAAAAAAD/fwAA/38AAAAAAAAJAAAABAAAAPP///8eAAAAaAAAAAAAAAAAAAAAAAAAAAAAAAAAAAAAECcAABAnAAAAAAAAAAAAAAAAAAAAAAAAAAAAAAAAAAAAAAAAAAAAABQAAAAAAAAAwMD/AAAAAABkAAAAMgAAAAAAAABkAAAAAAAAAH9/fwAKAAAAIgAAABgAAAAAAAAAAAAAAAAAAAAAAAAAAAAAAAAAAAAkAAAAJAAAAAAAAAAHAAAAAAAAAAAAAAAAAAAAAAAAAAAAAAAAAAAAf39/ACUAAABYAAAAAAAAAAAAAAAAAAAAAAAAAAAAAAAAAAAAAAAAAAAAAAAAAAAAAAAAAAAAAAA/AAAAAAAAAKCGAQAAAAAAAAAAAAAAAAAMAAAAAQAAAAAAAAAAAAAAAAAAAB8AAABUAAAAIis1AP///wEAAAAAAAAAAAAAAAAAAAAAAAAAAAAAAAAAAAAAAAAAAOfm5gN/f38A5+bmA8zMzADAwP8Af39/AAAAAAAAAAAAAAAAAAAAAAAAAAAAIQAAABgAAAAUAAAAQhQAAEkBAAC9NgAARAUAABAAAAAmAAAACAAAAP//////////"/>
               </a:ext>
             </a:extLst>
           </p:cNvSpPr>
@@ -13354,8 +13277,8 @@
               </a:lnSpc>
               <a:defRPr lang="pt-br" cap="none">
                 <a:latin typeface="Arial" pitchFamily="2" charset="0"/>
-                <a:ea typeface="DejaVu Sans" pitchFamily="0" charset="0"/>
-                <a:cs typeface="DejaVu Sans" pitchFamily="0" charset="0"/>
+                <a:ea typeface="DejaVu Sans" charset="0"/>
+                <a:cs typeface="DejaVu Sans" charset="0"/>
               </a:defRPr>
             </a:pPr>
             <a:r>
@@ -13363,9 +13286,9 @@
                 <a:solidFill>
                   <a:srgbClr val="FFFFFF"/>
                 </a:solidFill>
-                <a:latin typeface="Montserrat" pitchFamily="0" charset="0"/>
-                <a:ea typeface="DejaVu Sans" pitchFamily="0" charset="0"/>
-                <a:cs typeface="DejaVu Sans" pitchFamily="0" charset="0"/>
+                <a:latin typeface="Montserrat" charset="0"/>
+                <a:ea typeface="DejaVu Sans" charset="0"/>
+                <a:cs typeface="DejaVu Sans" charset="0"/>
               </a:rPr>
               <a:t>Exemplos em Javascript</a:t>
             </a:r>
@@ -13379,7 +13302,7 @@
           <p:cNvPicPr>
             <a:extLst>
               <a:ext uri="smNativeData">
-                <pr:smNativeData xmlns:pr="smNativeData" xmlns="smNativeData" val="SMDATA_17_q5OGZBMAAAAlAAAAEQAAAA0AAAAAkAAAAEgAAACQAAAASAAAAAAAAAAAAAAAAAAAAAEAAABQAAAAAAAAAAAA4D8AAAAAAADgPwAAAAAAAOA/AAAAAAAA4D8AAAAAAADgPwAAAAAAAOA/AAAAAAAA4D8AAAAAAADgPwAAAAAAAOA/AAAAAAAA4D8CAAAAjAAAAAAAAAAAAAAARHLEDP///wgAAAAAAAAAAAAAAAAAAAAAAAAAAAAAAAAAAAAAZAAAAAEAAABAAAAAAAAAAAAAAAAAAAAAAAAAAAAAAAAAAAAAAAAAAAAAAAAAAAAAAAAAAAAAAAAAAAAAAAAAAAAAAAAAAAAAAAAAAAAAAAAAAAAAAAAAAAAAAAAAAAAAFAAAADwAAAAAAAAAAAAAAAAAAAkUAAAAAQAAABQAAAAUAAAAFAAAAAEAAAAAAAAAZAAAAGQAAAAAAAAAZAAAAGQAAAAVAAAAYAAAAAAAAAAAAAAADwAAACADAAAAAAAAAAAAAAEAAACgMgAAVgcAAKr4//8BAAAAf39/AAEAAABkAAAAAAAAABQAAABAHwAAAAAAACYAAAAAAAAAwOD//wAAAAAmAAAAZAAAABYAAABMAAAAAAAAAAAAAAAEAAAAAAAAAAEAAADn5uYKAAAAACgAAAAoAAAAZAAAAGQAAAAAAAAAzMzMAAAAAABQAAAAUAAAAGQAAABkAAAAAAAAAAcAAAA4AAAAAAAAAAAAAAAAAAAA////AAAAAAAAAAAAAAAAAAAAAAAAAAAAAAAAAAAAAABkAAAAZAAAAAAAAAAjAAAABAAAAGQAAAAXAAAAFAAAAAAAAAAAAAAA/38AAP9/AAAAAAAACQAAAAQAAAABAAAAHgAAAGgAAAAAAAAAAAAAAAAAAAAAAAAAAAAAABAnAAAQJwAAAAAAAAAAAAAAAAAAAAAAAAAAAAAAAAAAAAAAAAAAAAAUAAAAAAAAAMDA/wAAAAAAZAAAADIAAAAAAAAAZAAAAAAAAAB/f38ACgAAACIAAAAYAAAAAAAAAAAAAAAAAAAAAAAAAAAAAAAAAAAAJAAAACQAAAAAAAAABwAAAAAAAAAAAAAAAAAAAAAAAAAAAAAAAAAAAH9/fwAlAAAAWAAAAAAAAAAAAAAAAAAAAAAAAAAAAAAAAAAAAAAAAAAAAAAAAAAAAAAAAAAAAAAAPwAAAAAAAACghgEAAAAAAAAAAAAAAAAADAAAAAEAAAAAAAAAAAAAAAAAAAAfAAAAVAAAAERyxAX///8BAAAAAAAAAAAAAAAAAAAAAAAAAAAAAAAAAAAAAAAAAAAAAAACf39/AOfm5gPMzMwAwMD/AH9/fwAAAAAAAAAAAAAAAAD///8AAAAAACEAAAAYAAAAFAAAAJADAADYCQAAjyQAAI8kAAAQAAAAJgAAAAgAAAD//////////w=="/>
+                <pr:smNativeData xmlns="smNativeData" xmlns:pr="smNativeData" xmlns:p15="http://schemas.microsoft.com/office/powerpoint/2012/main" xmlns:p14="http://schemas.microsoft.com/office/powerpoint/2010/main" xmlns:mc="http://schemas.openxmlformats.org/markup-compatibility/2006" val="SMDATA_17_q5OGZBMAAAAlAAAAEQAAAA0AAAAAkAAAAEgAAACQAAAASAAAAAAAAAAAAAAAAAAAAAEAAABQAAAAAAAAAAAA4D8AAAAAAADgPwAAAAAAAOA/AAAAAAAA4D8AAAAAAADgPwAAAAAAAOA/AAAAAAAA4D8AAAAAAADgPwAAAAAAAOA/AAAAAAAA4D8CAAAAjAAAAAAAAAAAAAAARHLEDP///wgAAAAAAAAAAAAAAAAAAAAAAAAAAAAAAAAAAAAAZAAAAAEAAABAAAAAAAAAAAAAAAAAAAAAAAAAAAAAAAAAAAAAAAAAAAAAAAAAAAAAAAAAAAAAAAAAAAAAAAAAAAAAAAAAAAAAAAAAAAAAAAAAAAAAAAAAAAAAAAAAAAAAFAAAADwAAAAAAAAAAAAAAAAAAAkUAAAAAQAAABQAAAAUAAAAFAAAAAEAAAAAAAAAZAAAAGQAAAAAAAAAZAAAAGQAAAAVAAAAYAAAAAAAAAAAAAAADwAAACADAAAAAAAAAAAAAAEAAACgMgAAVgcAAKr4//8BAAAAf39/AAEAAABkAAAAAAAAABQAAABAHwAAAAAAACYAAAAAAAAAwOD//wAAAAAmAAAAZAAAABYAAABMAAAAAAAAAAAAAAAEAAAAAAAAAAEAAADn5uYKAAAAACgAAAAoAAAAZAAAAGQAAAAAAAAAzMzMAAAAAABQAAAAUAAAAGQAAABkAAAAAAAAAAcAAAA4AAAAAAAAAAAAAAAAAAAA////AAAAAAAAAAAAAAAAAAAAAAAAAAAAAAAAAAAAAABkAAAAZAAAAAAAAAAjAAAABAAAAGQAAAAXAAAAFAAAAAAAAAAAAAAA/38AAP9/AAAAAAAACQAAAAQAAAABAAAAHgAAAGgAAAAAAAAAAAAAAAAAAAAAAAAAAAAAABAnAAAQJwAAAAAAAAAAAAAAAAAAAAAAAAAAAAAAAAAAAAAAAAAAAAAUAAAAAAAAAMDA/wAAAAAAZAAAADIAAAAAAAAAZAAAAAAAAAB/f38ACgAAACIAAAAYAAAAAAAAAAAAAAAAAAAAAAAAAAAAAAAAAAAAJAAAACQAAAAAAAAABwAAAAAAAAAAAAAAAAAAAAAAAAAAAAAAAAAAAH9/fwAlAAAAWAAAAAAAAAAAAAAAAAAAAAAAAAAAAAAAAAAAAAAAAAAAAAAAAAAAAAAAAAAAAAAAPwAAAAAAAACghgEAAAAAAAAAAAAAAAAADAAAAAEAAAAAAAAAAAAAAAAAAAAfAAAAVAAAAERyxAX///8BAAAAAAAAAAAAAAAAAAAAAAAAAAAAAAAAAAAAAAAAAAAAAAACf39/AOfm5gPMzMwAwMD/AH9/fwAAAAAAAAAAAAAAAAD///8AAAAAACEAAAAYAAAAFAAAAJADAADYCQAAjyQAAI8kAAAQAAAAJgAAAAgAAAD//////////w=="/>
               </a:ext>
             </a:extLst>
           </p:cNvPicPr>
@@ -13412,7 +13335,7 @@
           <p:cNvPicPr>
             <a:extLst>
               <a:ext uri="smNativeData">
-                <pr:smNativeData xmlns:pr="smNativeData" xmlns="smNativeData" val="SMDATA_17_q5OGZBMAAAAlAAAAEQAAAA0AAAAAkAAAAEgAAACQAAAASAAAAAAAAAAAAAAAAAAAAAEAAABQAAAAAAAAAAAA4D8AAAAAAADgPwAAAAAAAOA/AAAAAAAA4D8AAAAAAADgPwAAAAAAAOA/AAAAAAAA4D8AAAAAAADgPwAAAAAAAOA/AAAAAAAA4D8CAAAAjAAAAAAAAAAAAAAARHLEDP///wgAAAAAAAAAAAAAAAAAAAAAAAAAAAAAAAAAAAAAZAAAAAEAAABAAAAAAAAAAAAAAAAAAAAAAAAAAAAAAAAAAAAAAAAAAAAAAAAAAAAAAAAAAAAAAAAAAAAAAAAAAAAAAAAAAAAAAAAAAAAAAAAAAAAAAAAAAAAAAAAAAAAAFAAAADwAAAAAAAAAAAAAAAAAAAkUAAAAAQAAABQAAAAUAAAAFAAAAAEAAAAAAAAAZAAAAGQAAAAAAAAAZAAAAGQAAAAVAAAAYAAAAAAAAAAAAAAADwAAACADAAAAAAAAAAAAAAEAAACgMgAAVgcAAKr4//8BAAAAf39/AAEAAABkAAAAAAAAABQAAABAHwAAAAAAACYAAAAAAAAAwOD//wAAAAAmAAAAZAAAABYAAABMAAAAAAAAAAAAAAAEAAAAAAAAAAEAAADn5uYKAAAAACgAAAAoAAAAZAAAAGQAAAAAAAAAzMzMAAAAAABQAAAAUAAAAGQAAABkAAAAAAAAAAcAAAA4AAAAAAAAAAAAAAAAAAAA////AAAAAAAAAAAAAAAAAAAAAAAAAAAAAAAAAAAAAABkAAAAZAAAAAAAAAAjAAAABAAAAGQAAAAXAAAAFAAAAAAAAAAAAAAA/38AAP9/AAAAAAAACQAAAAQAAAABAAAAHgAAAGgAAAAAAAAAAAAAAAAAAAAAAAAAAAAAABAnAAAQJwAAAAAAAAAAAAAAAAAAAAAAAAAAAAAAAAAAAAAAAAAAAAAUAAAAAAAAAMDA/wAAAAAAZAAAADIAAAAAAAAAZAAAAAAAAAB/f38ACgAAACIAAAAYAAAAAAAAAAAAAAAAAAAAAAAAAAAAAAAAAAAAJAAAACQAAAAAAAAABwAAAAAAAAAAAAAAAAAAAAAAAAAAAAAAAAAAAH9/fwAlAAAAWAAAAAAAAAAAAAAAAAAAAAAAAAAAAAAAAAAAAAAAAAAAAAAAAAAAAAAAAAAAAAAAPwAAAAAAAACghgEAAAAAAAAAAAAAAAAADAAAAAEAAAAAAAAAAAAAAAAAAAAfAAAAVAAAAERyxAX///8BAAAAAAAAAAAAAAAAAAAAAAAAAAAAAAAAAAAAAAAAAAAAAAACf39/AOfm5gPMzMwAwMD/AH9/fwAAAAAAAAAAAAAAAAD///8AAAAAACEAAAAYAAAAFAAAAFgpAABjCQAAt0cAAPclAAAQAAAAJgAAAAgAAAD//////////w=="/>
+                <pr:smNativeData xmlns="smNativeData" xmlns:pr="smNativeData" xmlns:p15="http://schemas.microsoft.com/office/powerpoint/2012/main" xmlns:p14="http://schemas.microsoft.com/office/powerpoint/2010/main" xmlns:mc="http://schemas.openxmlformats.org/markup-compatibility/2006" val="SMDATA_17_q5OGZBMAAAAlAAAAEQAAAA0AAAAAkAAAAEgAAACQAAAASAAAAAAAAAAAAAAAAAAAAAEAAABQAAAAAAAAAAAA4D8AAAAAAADgPwAAAAAAAOA/AAAAAAAA4D8AAAAAAADgPwAAAAAAAOA/AAAAAAAA4D8AAAAAAADgPwAAAAAAAOA/AAAAAAAA4D8CAAAAjAAAAAAAAAAAAAAARHLEDP///wgAAAAAAAAAAAAAAAAAAAAAAAAAAAAAAAAAAAAAZAAAAAEAAABAAAAAAAAAAAAAAAAAAAAAAAAAAAAAAAAAAAAAAAAAAAAAAAAAAAAAAAAAAAAAAAAAAAAAAAAAAAAAAAAAAAAAAAAAAAAAAAAAAAAAAAAAAAAAAAAAAAAAFAAAADwAAAAAAAAAAAAAAAAAAAkUAAAAAQAAABQAAAAUAAAAFAAAAAEAAAAAAAAAZAAAAGQAAAAAAAAAZAAAAGQAAAAVAAAAYAAAAAAAAAAAAAAADwAAACADAAAAAAAAAAAAAAEAAACgMgAAVgcAAKr4//8BAAAAf39/AAEAAABkAAAAAAAAABQAAABAHwAAAAAAACYAAAAAAAAAwOD//wAAAAAmAAAAZAAAABYAAABMAAAAAAAAAAAAAAAEAAAAAAAAAAEAAADn5uYKAAAAACgAAAAoAAAAZAAAAGQAAAAAAAAAzMzMAAAAAABQAAAAUAAAAGQAAABkAAAAAAAAAAcAAAA4AAAAAAAAAAAAAAAAAAAA////AAAAAAAAAAAAAAAAAAAAAAAAAAAAAAAAAAAAAABkAAAAZAAAAAAAAAAjAAAABAAAAGQAAAAXAAAAFAAAAAAAAAAAAAAA/38AAP9/AAAAAAAACQAAAAQAAAABAAAAHgAAAGgAAAAAAAAAAAAAAAAAAAAAAAAAAAAAABAnAAAQJwAAAAAAAAAAAAAAAAAAAAAAAAAAAAAAAAAAAAAAAAAAAAAUAAAAAAAAAMDA/wAAAAAAZAAAADIAAAAAAAAAZAAAAAAAAAB/f38ACgAAACIAAAAYAAAAAAAAAAAAAAAAAAAAAAAAAAAAAAAAAAAAJAAAACQAAAAAAAAABwAAAAAAAAAAAAAAAAAAAAAAAAAAAAAAAAAAAH9/fwAlAAAAWAAAAAAAAAAAAAAAAAAAAAAAAAAAAAAAAAAAAAAAAAAAAAAAAAAAAAAAAAAAAAAAPwAAAAAAAACghgEAAAAAAAAAAAAAAAAADAAAAAEAAAAAAAAAAAAAAAAAAAAfAAAAVAAAAERyxAX///8BAAAAAAAAAAAAAAAAAAAAAAAAAAAAAAAAAAAAAAAAAAAAAAACf39/AOfm5gPMzMwAwMD/AH9/fwAAAAAAAAAAAAAAAAD///8AAAAAACEAAAAYAAAAFAAAAFgpAABjCQAAt0cAAPclAAAQAAAAJgAAAAgAAAD//////////w=="/>
               </a:ext>
             </a:extLst>
           </p:cNvPicPr>
@@ -13444,18 +13367,11 @@
   <p:clrMapOvr>
     <a:masterClrMapping/>
   </p:clrMapOvr>
-  <p:timing>
-    <p:tnLst>
-      <p:par>
-        <p:cTn id="1" dur="indefinite" restart="never" nodeType="tmRoot"/>
-      </p:par>
-    </p:tnLst>
-  </p:timing>
 </p:sld>
 </file>
 
 <file path=ppt/slides/slide2.xml><?xml version="1.0" encoding="utf-8"?>
-<p:sld xmlns:p="http://schemas.openxmlformats.org/presentationml/2006/main" xmlns:mc="http://schemas.openxmlformats.org/markup-compatibility/2006" xmlns:p14="http://schemas.microsoft.com/office/powerpoint/2010/main" xmlns:p15="http://schemas.microsoft.com/office/powerpoint/2012/main" xmlns:r="http://schemas.openxmlformats.org/officeDocument/2006/relationships" xmlns:a="http://schemas.openxmlformats.org/drawingml/2006/main" mc:Ignorable="p14">
+<p:sld xmlns:a="http://schemas.openxmlformats.org/drawingml/2006/main" xmlns:r="http://schemas.openxmlformats.org/officeDocument/2006/relationships" xmlns:p="http://schemas.openxmlformats.org/presentationml/2006/main">
   <p:cSld>
     <p:bg>
       <p:bgPr>
@@ -13485,7 +13401,7 @@
           <p:cNvSpPr>
             <a:extLst>
               <a:ext uri="smNativeData">
-                <pr:smNativeData xmlns:pr="smNativeData" xmlns="smNativeData" val="SMDATA_15_q5OGZBMAAAAlAAAAqgAAAA0AAAAAkAAAAEgAAACQAAAASAAAAAAAAAAAAAAAAAAAAAEAAABQAAAAda9fBcX/xz8AAAAAAADgPwAAAAAAAOA/AAAAAAAA4D8AAAAAAADgPwAAAAAAAOA/AAAAAAAA4D8AAAAAAADgPwAAAAAAAOA/AAAAAAAA4D8CAAAAjAAAAAEAAAADAAAAMz9PADM/TwAAAAAAZAAAAAAAAAAAAAAAAAAAAAAAAAAAAAAAZAAAAAEAAABAAAAAAAAAAGQAAAAOAQAAAAAAAAAAAAAAAAAAAAAAAAAAAAAAAAAAAAAAAAAAAAAAAAAAAAAAAAAAAAAAAAAAAAAAAAAAAAAAAAAAAAAAAAAAAAAAAAAAFAAAADwAAAABAAAAAAAAAP///wgoAAAAAQAAABQAAAAUAAAAFAAAAAEAAAAAAAAAZAAAAGQAAAAAAAAAZAAAAGQAAAAVAAAAYAAAAAAAAAAAAAAADwAAACADAAAAAAAAAAAAAAEAAACgMgAAVgcAAKr4//8BAAAAf39/AAEAAABkAAAAAAAAABQAAABAHwAAAAAAACYAAAAAAAAAwOD//wAAAAAmAAAAZAAAABYAAABMAAAAAAAAAAAAAAAEAAAAAAAAAAEAAADn5uYKAAAAACgAAAAoAAAAZAAAAGQAAAAAAAAAzMzMAAAAAABQAAAAUAAAAGQAAABkAAAAAAAAABcAAAAUAAAAAAAAAAAAAAD/fwAA/38AAAAAAAAJAAAABAAAAAAAAAAeAAAAaAAAAAAAAAAAAAAAAAAAAAAAAAAAAAAAECcAABAnAAAAAAAAAAAAAAAAAAAAAABkAAAAAAAAAAAAAAAAAAAAABQAAAAAAAAAwMD/AAAAAABkAAAAMgAAAAAAAABkAAAAAAAAAH9/fwAKAAAAIgAAABgAAAAAAAAAAAAAAAAAAAAAAAAAAAAAAAAAAAAkAAAAJAAAAAAAAAAHAAAAAAAAAAAAAAAAAAAAAAAAAAAAAAAAAAAAf39/ACUAAABYAAAAAAAAAAAAAAAAAAAAAAAAAAAAAAAAAAAAAAAAAAAAAAAAAAAAAAAAAAAAAAA/AAAAAAAAAKCGAQAAAAAAAAAAAAAAAAAMAAAAAQAAAAAAAAAAAAAAAAAAAB8AAABUAAAAMz9PADM/TwAAAAAAAAAAAAAAAAAAAAAAAAAAAAAAAAAAAAAAAAAAAP///wF/f38A5+bmA8zMzADAwP8Af39/AAAAAAAAAAAAAAAAAAAAAAAAAAAAIQAAABgAAAAUAAAAAAAAAAEAAAD/SgAALyoAABAAAAAmAAAACAAAAP//////////"/>
+                <pr:smNativeData xmlns="smNativeData" xmlns:pr="smNativeData" xmlns:p15="http://schemas.microsoft.com/office/powerpoint/2012/main" xmlns:p14="http://schemas.microsoft.com/office/powerpoint/2010/main" xmlns:mc="http://schemas.openxmlformats.org/markup-compatibility/2006" val="SMDATA_15_q5OGZBMAAAAlAAAAqgAAAA0AAAAAkAAAAEgAAACQAAAASAAAAAAAAAAAAAAAAAAAAAEAAABQAAAAda9fBcX/xz8AAAAAAADgPwAAAAAAAOA/AAAAAAAA4D8AAAAAAADgPwAAAAAAAOA/AAAAAAAA4D8AAAAAAADgPwAAAAAAAOA/AAAAAAAA4D8CAAAAjAAAAAEAAAADAAAAMz9PADM/TwAAAAAAZAAAAAAAAAAAAAAAAAAAAAAAAAAAAAAAZAAAAAEAAABAAAAAAAAAAGQAAAAOAQAAAAAAAAAAAAAAAAAAAAAAAAAAAAAAAAAAAAAAAAAAAAAAAAAAAAAAAAAAAAAAAAAAAAAAAAAAAAAAAAAAAAAAAAAAAAAAAAAAFAAAADwAAAABAAAAAAAAAP///wgoAAAAAQAAABQAAAAUAAAAFAAAAAEAAAAAAAAAZAAAAGQAAAAAAAAAZAAAAGQAAAAVAAAAYAAAAAAAAAAAAAAADwAAACADAAAAAAAAAAAAAAEAAACgMgAAVgcAAKr4//8BAAAAf39/AAEAAABkAAAAAAAAABQAAABAHwAAAAAAACYAAAAAAAAAwOD//wAAAAAmAAAAZAAAABYAAABMAAAAAAAAAAAAAAAEAAAAAAAAAAEAAADn5uYKAAAAACgAAAAoAAAAZAAAAGQAAAAAAAAAzMzMAAAAAABQAAAAUAAAAGQAAABkAAAAAAAAABcAAAAUAAAAAAAAAAAAAAD/fwAA/38AAAAAAAAJAAAABAAAAAAAAAAeAAAAaAAAAAAAAAAAAAAAAAAAAAAAAAAAAAAAECcAABAnAAAAAAAAAAAAAAAAAAAAAABkAAAAAAAAAAAAAAAAAAAAABQAAAAAAAAAwMD/AAAAAABkAAAAMgAAAAAAAABkAAAAAAAAAH9/fwAKAAAAIgAAABgAAAAAAAAAAAAAAAAAAAAAAAAAAAAAAAAAAAAkAAAAJAAAAAAAAAAHAAAAAAAAAAAAAAAAAAAAAAAAAAAAAAAAAAAAf39/ACUAAABYAAAAAAAAAAAAAAAAAAAAAAAAAAAAAAAAAAAAAAAAAAAAAAAAAAAAAAAAAAAAAAA/AAAAAAAAAKCGAQAAAAAAAAAAAAAAAAAMAAAAAQAAAAAAAAAAAAAAAAAAAB8AAABUAAAAMz9PADM/TwAAAAAAAAAAAAAAAAAAAAAAAAAAAAAAAAAAAAAAAAAAAP///wF/f38A5+bmA8zMzADAwP8Af39/AAAAAAAAAAAAAAAAAAAAAAAAAAAAIQAAABgAAAAUAAAAAAAAAAEAAAD/SgAALyoAABAAAAAmAAAACAAAAP//////////"/>
               </a:ext>
             </a:extLst>
           </p:cNvSpPr>
@@ -13532,7 +13448,7 @@
           <p:cNvSpPr>
             <a:extLst>
               <a:ext uri="smNativeData">
-                <pr:smNativeData xmlns:pr="smNativeData" xmlns="smNativeData" val="SMDATA_15_q5OGZBMAAAAlAAAAZAAAAA0AAAAAjgAAAEcAAACOAAAARwAAAAAAAAABAAAAAAAAAAEAAABQAAAAAAAAAAAA4D8AAAAAAADgPwAAAAAAAOA/AAAAAAAA4D8AAAAAAADgPwAAAAAAAOA/AAAAAAAA4D8AAAAAAADgPwAAAAAAAOA/AAAAAAAA4D8CAAAAjAAAAAEAAAAAAAAAIis1AP///wgAAAAAAAAAAAAAAAAAAAAAAAAAAAAAAAAAAAAAZAAAAAEAAABAAAAAAAAAAAAAAAAAAAAAAAAAAAAAAAAAAAAAAAAAAAAAAAAAAAAAAAAAAAAAAAAAAAAAAAAAAAAAAAAAAAAAAAAAAAAAAAAAAAAAAAAAAAAAAAAAAAAAFAAAADwAAAABAAAAAAAAAOfm5gooAAAAAQAAABQAAAAUAAAAFAAAAAEAAAAAAAAAZAAAAGQAAAAAAAAAZAAAAGQAAAAVAAAAYAAAAAAAAAAAAAAADwAAACADAAAAAAAAAAAAAAEAAACgMgAAVgcAAKr4//8BAAAAf39/AAEAAABkAAAAAAAAABQAAABAHwAAAAAAACYAAAAAAAAAwOD//wAAAAAmAAAAZAAAABYAAABMAAAAAAAAAAAAAAAEAAAAAAAAAAEAAADn5uYKAAAAACgAAAAoAAAAZAAAAGQAAAAAAAAAzMzMAAAAAABQAAAAUAAAAGQAAABkAAAAAAAAABcAAAAUAAAAAAAAAAAAAAD/fwAA/38AAAAAAAAJAAAABAAAAKYAAAAeAAAAaAAAAAAAAAAAAAAAAAAAAAAAAAAAAAAAECcAABAnAAAAAAAAAAAAAAAAAAAAAAAAAAAAAAAAAAAAAAAAAAAAABQAAAAAAAAAwMD/AAAAAABkAAAAMgAAAAAAAABkAAAAAAAAAH9/fwAKAAAAIgAAABgAAAAAAAAAAAAAAAAAAAAAAAAAAAAAAAAAAAAkAAAAJAAAAAAAAAAHAAAAAAAAAAAAAAAAAAAAAAAAAAAAAAAAAAAAf39/ACUAAABYAAAAAAAAAAAAAAAAAAAAAAAAAAAAAAAAAAAAAAAAAAAAAAAAAAAAAAAAAAAAAAA/AAAAAAAAAKCGAQAAAAAAAAAAAAAAAAAMAAAAAQAAAAAAAAAAAAAAAAAAAB8AAABUAAAAIis1AP///wEAAAAAAAAAAAAAAAAAAAAAAAAAAAAAAAAAAAAAAAAAAOfm5gN/f38A5+bmA8zMzADAwP8Af39/AAAAAAAAAAAAAAAAAAAAAAAAAAAAIQAAABgAAAAUAAAAjxEAAMYBAABwOQAAwQUAAAAAAAAmAAAACAAAAP//////////"/>
+                <pr:smNativeData xmlns="smNativeData" xmlns:pr="smNativeData" xmlns:p15="http://schemas.microsoft.com/office/powerpoint/2012/main" xmlns:p14="http://schemas.microsoft.com/office/powerpoint/2010/main" xmlns:mc="http://schemas.openxmlformats.org/markup-compatibility/2006" val="SMDATA_15_q5OGZBMAAAAlAAAAZAAAAA0AAAAAjgAAAEcAAACOAAAARwAAAAAAAAABAAAAAAAAAAEAAABQAAAAAAAAAAAA4D8AAAAAAADgPwAAAAAAAOA/AAAAAAAA4D8AAAAAAADgPwAAAAAAAOA/AAAAAAAA4D8AAAAAAADgPwAAAAAAAOA/AAAAAAAA4D8CAAAAjAAAAAEAAAAAAAAAIis1AP///wgAAAAAAAAAAAAAAAAAAAAAAAAAAAAAAAAAAAAAZAAAAAEAAABAAAAAAAAAAAAAAAAAAAAAAAAAAAAAAAAAAAAAAAAAAAAAAAAAAAAAAAAAAAAAAAAAAAAAAAAAAAAAAAAAAAAAAAAAAAAAAAAAAAAAAAAAAAAAAAAAAAAAFAAAADwAAAABAAAAAAAAAOfm5gooAAAAAQAAABQAAAAUAAAAFAAAAAEAAAAAAAAAZAAAAGQAAAAAAAAAZAAAAGQAAAAVAAAAYAAAAAAAAAAAAAAADwAAACADAAAAAAAAAAAAAAEAAACgMgAAVgcAAKr4//8BAAAAf39/AAEAAABkAAAAAAAAABQAAABAHwAAAAAAACYAAAAAAAAAwOD//wAAAAAmAAAAZAAAABYAAABMAAAAAAAAAAAAAAAEAAAAAAAAAAEAAADn5uYKAAAAACgAAAAoAAAAZAAAAGQAAAAAAAAAzMzMAAAAAABQAAAAUAAAAGQAAABkAAAAAAAAABcAAAAUAAAAAAAAAAAAAAD/fwAA/38AAAAAAAAJAAAABAAAAKYAAAAeAAAAaAAAAAAAAAAAAAAAAAAAAAAAAAAAAAAAECcAABAnAAAAAAAAAAAAAAAAAAAAAAAAAAAAAAAAAAAAAAAAAAAAABQAAAAAAAAAwMD/AAAAAABkAAAAMgAAAAAAAABkAAAAAAAAAH9/fwAKAAAAIgAAABgAAAAAAAAAAAAAAAAAAAAAAAAAAAAAAAAAAAAkAAAAJAAAAAAAAAAHAAAAAAAAAAAAAAAAAAAAAAAAAAAAAAAAAAAAf39/ACUAAABYAAAAAAAAAAAAAAAAAAAAAAAAAAAAAAAAAAAAAAAAAAAAAAAAAAAAAAAAAAAAAAA/AAAAAAAAAKCGAQAAAAAAAAAAAAAAAAAMAAAAAQAAAAAAAAAAAAAAAAAAAB8AAABUAAAAIis1AP///wEAAAAAAAAAAAAAAAAAAAAAAAAAAAAAAAAAAAAAAAAAAOfm5gN/f38A5+bmA8zMzADAwP8Af39/AAAAAAAAAAAAAAAAAAAAAAAAAAAAIQAAABgAAAAUAAAAjxEAAMYBAABwOQAAwQUAAAAAAAAmAAAACAAAAP//////////"/>
               </a:ext>
             </a:extLst>
           </p:cNvSpPr>
@@ -13569,8 +13485,8 @@
               </a:lnSpc>
               <a:defRPr lang="pt-br" cap="none">
                 <a:latin typeface="Arial" pitchFamily="2" charset="0"/>
-                <a:ea typeface="DejaVu Sans" pitchFamily="0" charset="0"/>
-                <a:cs typeface="DejaVu Sans" pitchFamily="0" charset="0"/>
+                <a:ea typeface="DejaVu Sans" charset="0"/>
+                <a:cs typeface="DejaVu Sans" charset="0"/>
               </a:defRPr>
             </a:pPr>
             <a:r>
@@ -13579,8 +13495,8 @@
                   <a:srgbClr val="FFFFFF"/>
                 </a:solidFill>
                 <a:latin typeface="Calibri" pitchFamily="2" charset="0"/>
-                <a:ea typeface="DejaVu Sans" pitchFamily="0" charset="0"/>
-                <a:cs typeface="DejaVu Sans" pitchFamily="0" charset="0"/>
+                <a:ea typeface="DejaVu Sans" charset="0"/>
+                <a:cs typeface="DejaVu Sans" charset="0"/>
               </a:rPr>
               <a:t>Paradigmas de Programação</a:t>
             </a:r>
@@ -13594,7 +13510,7 @@
           <p:cNvSpPr>
             <a:extLst>
               <a:ext uri="smNativeData">
-                <pr:smNativeData xmlns:pr="smNativeData" xmlns="smNativeData" val="SMDATA_15_q5OGZBMAAAAlAAAAZAAAAA0AAAAAAAAAAAAAAAAAAAAAAAAAAAAAAAAAAAAAAAAAAAEAAABQAAAAAAAAAAAA4D8AAAAAAADgPwAAAAAAAOA/AAAAAAAA4D8AAAAAAADgPwAAAAAAAOA/AAAAAAAA4D8AAAAAAADgPwAAAAAAAOA/AAAAAAAA4D8CAAAAjAAAAAAAAAAAAAAARHLEDP///wgAAAAAAAAAAAAAAAAAAAAAAAAAAAAAAAAAAAAAZAAAAAEAAABAAAAAAAAAAAAAAAAAAAAAAAAAAAAAAAAAAAAAAAAAAAAAAAAAAAAAAAAAAAAAAAAAAAAAAAAAAAAAAAAAAAAAAAAAAAAAAAAAAAAAAAAAAAAAAAAAAAAAFAAAADwAAAAAAAAAAAAAAAAAAAkUAAAAAQAAABQAAAAUAAAAFAAAAAEAAAAAAAAAZAAAAGQAAAAAAAAAZAAAAGQAAAAVAAAAYAAAAAAAAAAAAAAADwAAACADAAAAAAAAAAAAAAEAAACgMgAAVgcAAKr4//8BAAAAf39/AAEAAABkAAAAAAAAABQAAABAHwAAAAAAACYAAAAAAAAAwOD//wAAAAAmAAAAZAAAABYAAABMAAAAAAAAAAAAAAAEAAAAAAAAAAEAAADn5uYKAAAAACgAAAAoAAAAZAAAAGQAAAAAAAAAzMzMAAAAAABQAAAAUAAAAGQAAABkAAAAAAAAABcAAAAUAAAAAAAAAAAAAAD/fwAA/38AAAAAAAAJAAAABAAAAOgAAAAeAAAAaAAAAAAAAAAAAAAAAAAAAAAAAAAAAAAAECcAABAnAAAAAAAAAAAAAAAAAAAAAAAAAAAAAAAAAAAAAAAAAAAAABQAAAAAAAAAwMD/AAAAAABkAAAAMgAAAAAAAABkAAAAAAAAAH9/fwAKAAAAIgAAABgAAAAAAAAAAAAAAAAAAAAAAAAAAAAAAAAAAAAkAAAAJAAAAAAAAAAHAAAAAAAAAAAAAAAAAAAAAAAAAAAAAAAAAAAAf39/ACUAAABYAAAAAAAAAAAAAAAAAAAAAAAAAAAAAAAAAAAAAAAAAAAAAAAAAAAAAAAAAAAAAAA/AAAAAAAAAKCGAQAAAAAAAAAAAAAAAAAMAAAAAQAAAAAAAAAAAAAAAAAAAB8AAABUAAAARHLEBf///wEAAAAAAAAAAAAAAAAAAAAAAAAAAAAAAAAAAAAAAAAAAAAAAAJ/f38A5+bmA8zMzADAwP8Af39/AAAAAAAAAAAAAAAAAAAAAAAAAAAAIQAAABgAAAAUAAAAcAgAANgJAAD3JQAAXycAAAAAAAAmAAAACAAAAP//////////"/>
+                <pr:smNativeData xmlns="smNativeData" xmlns:pr="smNativeData" xmlns:p15="http://schemas.microsoft.com/office/powerpoint/2012/main" xmlns:p14="http://schemas.microsoft.com/office/powerpoint/2010/main" xmlns:mc="http://schemas.openxmlformats.org/markup-compatibility/2006" val="SMDATA_15_q5OGZBMAAAAlAAAAZAAAAA0AAAAAAAAAAAAAAAAAAAAAAAAAAAAAAAAAAAAAAAAAAAEAAABQAAAAAAAAAAAA4D8AAAAAAADgPwAAAAAAAOA/AAAAAAAA4D8AAAAAAADgPwAAAAAAAOA/AAAAAAAA4D8AAAAAAADgPwAAAAAAAOA/AAAAAAAA4D8CAAAAjAAAAAAAAAAAAAAARHLEDP///wgAAAAAAAAAAAAAAAAAAAAAAAAAAAAAAAAAAAAAZAAAAAEAAABAAAAAAAAAAAAAAAAAAAAAAAAAAAAAAAAAAAAAAAAAAAAAAAAAAAAAAAAAAAAAAAAAAAAAAAAAAAAAAAAAAAAAAAAAAAAAAAAAAAAAAAAAAAAAAAAAAAAAFAAAADwAAAAAAAAAAAAAAAAAAAkUAAAAAQAAABQAAAAUAAAAFAAAAAEAAAAAAAAAZAAAAGQAAAAAAAAAZAAAAGQAAAAVAAAAYAAAAAAAAAAAAAAADwAAACADAAAAAAAAAAAAAAEAAACgMgAAVgcAAKr4//8BAAAAf39/AAEAAABkAAAAAAAAABQAAABAHwAAAAAAACYAAAAAAAAAwOD//wAAAAAmAAAAZAAAABYAAABMAAAAAAAAAAAAAAAEAAAAAAAAAAEAAADn5uYKAAAAACgAAAAoAAAAZAAAAGQAAAAAAAAAzMzMAAAAAABQAAAAUAAAAGQAAABkAAAAAAAAABcAAAAUAAAAAAAAAAAAAAD/fwAA/38AAAAAAAAJAAAABAAAAOgAAAAeAAAAaAAAAAAAAAAAAAAAAAAAAAAAAAAAAAAAECcAABAnAAAAAAAAAAAAAAAAAAAAAAAAAAAAAAAAAAAAAAAAAAAAABQAAAAAAAAAwMD/AAAAAABkAAAAMgAAAAAAAABkAAAAAAAAAH9/fwAKAAAAIgAAABgAAAAAAAAAAAAAAAAAAAAAAAAAAAAAAAAAAAAkAAAAJAAAAAAAAAAHAAAAAAAAAAAAAAAAAAAAAAAAAAAAAAAAAAAAf39/ACUAAABYAAAAAAAAAAAAAAAAAAAAAAAAAAAAAAAAAAAAAAAAAAAAAAAAAAAAAAAAAAAAAAA/AAAAAAAAAKCGAQAAAAAAAAAAAAAAAAAMAAAAAQAAAAAAAAAAAAAAAAAAAB8AAABUAAAARHLEBf///wEAAAAAAAAAAAAAAAAAAAAAAAAAAAAAAAAAAAAAAAAAAAAAAAJ/f38A5+bmA8zMzADAwP8Af39/AAAAAAAAAAAAAAAAAAAAAAAAAAAAIQAAABgAAAAUAAAAcAgAANgJAAD3JQAAXycAAAAAAAAmAAAACAAAAP//////////"/>
               </a:ext>
             </a:extLst>
           </p:cNvSpPr>
@@ -13624,8 +13540,8 @@
               </a:lnSpc>
               <a:defRPr lang="pt-br" cap="none">
                 <a:latin typeface="Arial" pitchFamily="2" charset="0"/>
-                <a:ea typeface="DejaVu Sans" pitchFamily="0" charset="0"/>
-                <a:cs typeface="DejaVu Sans" pitchFamily="0" charset="0"/>
+                <a:ea typeface="DejaVu Sans" charset="0"/>
+                <a:cs typeface="DejaVu Sans" charset="0"/>
               </a:defRPr>
             </a:pPr>
             <a:r>
@@ -13633,9 +13549,9 @@
                 <a:solidFill>
                   <a:srgbClr val="FFFFFF"/>
                 </a:solidFill>
-                <a:latin typeface="Source Serif Pro" pitchFamily="0" charset="0"/>
-                <a:ea typeface="DejaVu Sans" pitchFamily="0" charset="0"/>
-                <a:cs typeface="DejaVu Sans" pitchFamily="0" charset="0"/>
+                <a:latin typeface="Source Serif Pro" charset="0"/>
+                <a:ea typeface="DejaVu Sans" charset="0"/>
+                <a:cs typeface="DejaVu Sans" charset="0"/>
               </a:rPr>
               <a:t>Conforme programas de computador eram criados antigamente, e ficavam cada vez mais complexos, linguagens de programação e boas práticas evoluíram para atender as necessidades dos programadores. Finalmente, essas evoluções criaram o que chamamos de paradigmas de programação.</a:t>
             </a:r>
@@ -13647,10 +13563,18 @@
               </a:lnSpc>
               <a:defRPr lang="pt-br" cap="none">
                 <a:latin typeface="Arial" pitchFamily="2" charset="0"/>
-                <a:ea typeface="DejaVu Sans" pitchFamily="0" charset="0"/>
-                <a:cs typeface="DejaVu Sans" pitchFamily="0" charset="0"/>
+                <a:ea typeface="DejaVu Sans" charset="0"/>
+                <a:cs typeface="DejaVu Sans" charset="0"/>
               </a:defRPr>
             </a:pPr>
+            <a:endParaRPr lang="pt-br" cap="none">
+              <a:solidFill>
+                <a:srgbClr val="FFFFFF"/>
+              </a:solidFill>
+              <a:latin typeface="Source Serif Pro" charset="0"/>
+              <a:ea typeface="DejaVu Sans" charset="0"/>
+              <a:cs typeface="DejaVu Sans" charset="0"/>
+            </a:endParaRPr>
           </a:p>
           <a:p>
             <a:pPr>
@@ -13659,8 +13583,8 @@
               </a:lnSpc>
               <a:defRPr lang="pt-br" cap="none">
                 <a:latin typeface="Arial" pitchFamily="2" charset="0"/>
-                <a:ea typeface="DejaVu Sans" pitchFamily="0" charset="0"/>
-                <a:cs typeface="DejaVu Sans" pitchFamily="0" charset="0"/>
+                <a:ea typeface="DejaVu Sans" charset="0"/>
+                <a:cs typeface="DejaVu Sans" charset="0"/>
               </a:defRPr>
             </a:pPr>
             <a:r>
@@ -13668,9 +13592,9 @@
                 <a:solidFill>
                   <a:srgbClr val="FFFFFF"/>
                 </a:solidFill>
-                <a:latin typeface="Source Serif Pro" pitchFamily="0" charset="0"/>
-                <a:ea typeface="游ゴシック" pitchFamily="0" charset="0"/>
-                <a:cs typeface="DejaVu Sans" pitchFamily="0" charset="0"/>
+                <a:latin typeface="Source Serif Pro" charset="0"/>
+                <a:ea typeface="游ゴシック" charset="0"/>
+                <a:cs typeface="DejaVu Sans" charset="0"/>
               </a:rPr>
               <a:t>Um paradigma de programação é um estilo específico de organizar e escrever programas com o objetivo de aumentar a organização, menos bugs e melhorar a manutenção do código.</a:t>
             </a:r>
@@ -13683,7 +13607,7 @@
           <p:cNvSpPr>
             <a:extLst>
               <a:ext uri="smNativeData">
-                <pr:smNativeData xmlns:pr="smNativeData" xmlns="smNativeData" val="SMDATA_15_q5OGZBMAAAAlAAAAZAAAAA0AAAAAAAAAAAAAAAAAAAAAAAAAAAAAAAAAAAAAAAAAAAEAAABQAAAAAAAAAAAA4D8AAAAAAADgPwAAAAAAAOA/AAAAAAAA4D8AAAAAAADgPwAAAAAAAOA/AAAAAAAA4D8AAAAAAADgPwAAAAAAAOA/AAAAAAAA4D8CAAAAjAAAAAAAAAAAAAAARHLEDP///wgAAAAAAAAAAAAAAAAAAAAAAAAAAAAAAAAAAAAAZAAAAAEAAABAAAAAAAAAAAAAAAAAAAAAAAAAAAAAAAAAAAAAAAAAAAAAAAAAAAAAAAAAAAAAAAAAAAAAAAAAAAAAAAAAAAAAAAAAAAAAAAAAAAAAAAAAAAAAAAAAAAAAFAAAADwAAAAAAAAAAAAAAAAAAAkUAAAAAQAAABQAAAAUAAAAFAAAAAEAAAAAAAAAZAAAAGQAAAAAAAAAZAAAAGQAAAAVAAAAYAAAAAAAAAAAAAAADwAAACADAAAAAAAAAAAAAAEAAACgMgAAVgcAAKr4//8BAAAAf39/AAEAAABkAAAAAAAAABQAAABAHwAAAAAAACYAAAAAAAAAwOD//wAAAAAmAAAAZAAAABYAAABMAAAAAAAAAAAAAAAEAAAAAAAAAAEAAADn5uYKAAAAACgAAAAoAAAAZAAAAGQAAAAAAAAAzMzMAAAAAABQAAAAUAAAAGQAAABkAAAAAAAAABcAAAAUAAAAAAAAAAAAAAD/fwAA/38AAAAAAAAJAAAABAAAAKYAAAAeAAAAaAAAAAAAAAAAAAAAAAAAAAAAAAAAAAAAECcAABAnAAAAAAAAAAAAAAAAAAAAAAAAAAAAAAAAAAAAAAAAAAAAABQAAAAAAAAAwMD/AAAAAABkAAAAMgAAAAAAAABkAAAAAAAAAH9/fwAKAAAAIgAAABgAAAAAAAAAAAAAAAAAAAAAAAAAAAAAAAAAAAAkAAAAJAAAAAAAAAAHAAAAAAAAAAAAAAAAAAAAAAAAAAAAAAAAAAAAf39/ACUAAABYAAAAAAAAAAAAAAAAAAAAAAAAAAAAAAAAAAAAAAAAAAAAAAAAAAAAAAAAAAAAAAA/AAAAAAAAAKCGAQAAAAAAAAAAAAAAAAAMAAAAAQAAAAAAAAAAAAAAAAAAAB8AAABUAAAARHLEBf///wEAAAAAAAAAAAAAAAAAAAAAAAAAAAAAAAAAAAAAAAAAAAAAAAJ/f38A5+bmA8zMzADAwP8Af39/AAAAAAAAAAAAAAAAAAAAAAAAAAAAIQAAABgAAAAUAAAAYCcAANgJAAAfSQAAXycAABAAAAAmAAAACAAAAP//////////"/>
+                <pr:smNativeData xmlns="smNativeData" xmlns:pr="smNativeData" xmlns:p15="http://schemas.microsoft.com/office/powerpoint/2012/main" xmlns:p14="http://schemas.microsoft.com/office/powerpoint/2010/main" xmlns:mc="http://schemas.openxmlformats.org/markup-compatibility/2006" val="SMDATA_15_q5OGZBMAAAAlAAAAZAAAAA0AAAAAAAAAAAAAAAAAAAAAAAAAAAAAAAAAAAAAAAAAAAEAAABQAAAAAAAAAAAA4D8AAAAAAADgPwAAAAAAAOA/AAAAAAAA4D8AAAAAAADgPwAAAAAAAOA/AAAAAAAA4D8AAAAAAADgPwAAAAAAAOA/AAAAAAAA4D8CAAAAjAAAAAAAAAAAAAAARHLEDP///wgAAAAAAAAAAAAAAAAAAAAAAAAAAAAAAAAAAAAAZAAAAAEAAABAAAAAAAAAAAAAAAAAAAAAAAAAAAAAAAAAAAAAAAAAAAAAAAAAAAAAAAAAAAAAAAAAAAAAAAAAAAAAAAAAAAAAAAAAAAAAAAAAAAAAAAAAAAAAAAAAAAAAFAAAADwAAAAAAAAAAAAAAAAAAAkUAAAAAQAAABQAAAAUAAAAFAAAAAEAAAAAAAAAZAAAAGQAAAAAAAAAZAAAAGQAAAAVAAAAYAAAAAAAAAAAAAAADwAAACADAAAAAAAAAAAAAAEAAACgMgAAVgcAAKr4//8BAAAAf39/AAEAAABkAAAAAAAAABQAAABAHwAAAAAAACYAAAAAAAAAwOD//wAAAAAmAAAAZAAAABYAAABMAAAAAAAAAAAAAAAEAAAAAAAAAAEAAADn5uYKAAAAACgAAAAoAAAAZAAAAGQAAAAAAAAAzMzMAAAAAABQAAAAUAAAAGQAAABkAAAAAAAAABcAAAAUAAAAAAAAAAAAAAD/fwAA/38AAAAAAAAJAAAABAAAAKYAAAAeAAAAaAAAAAAAAAAAAAAAAAAAAAAAAAAAAAAAECcAABAnAAAAAAAAAAAAAAAAAAAAAAAAAAAAAAAAAAAAAAAAAAAAABQAAAAAAAAAwMD/AAAAAABkAAAAMgAAAAAAAABkAAAAAAAAAH9/fwAKAAAAIgAAABgAAAAAAAAAAAAAAAAAAAAAAAAAAAAAAAAAAAAkAAAAJAAAAAAAAAAHAAAAAAAAAAAAAAAAAAAAAAAAAAAAAAAAAAAAf39/ACUAAABYAAAAAAAAAAAAAAAAAAAAAAAAAAAAAAAAAAAAAAAAAAAAAAAAAAAAAAAAAAAAAAA/AAAAAAAAAKCGAQAAAAAAAAAAAAAAAAAMAAAAAQAAAAAAAAAAAAAAAAAAAB8AAABUAAAARHLEBf///wEAAAAAAAAAAAAAAAAAAAAAAAAAAAAAAAAAAAAAAAAAAAAAAAJ/f38A5+bmA8zMzADAwP8Af39/AAAAAAAAAAAAAAAAAAAAAAAAAAAAIQAAABgAAAAUAAAAYCcAANgJAAAfSQAAXycAABAAAAAmAAAACAAAAP//////////"/>
               </a:ext>
             </a:extLst>
           </p:cNvSpPr>
@@ -13712,12 +13636,12 @@
                 <a:spcPct val="100000"/>
               </a:lnSpc>
               <a:buClrTx/>
-              <a:buFont typeface="Wingdings" pitchFamily="0" charset="2"/>
+              <a:buFont typeface="Wingdings" charset="2"/>
               <a:buChar char=""/>
               <a:defRPr lang="pt-br" cap="none">
                 <a:latin typeface="Arial" pitchFamily="2" charset="0"/>
-                <a:ea typeface="DejaVu Sans" pitchFamily="0" charset="0"/>
-                <a:cs typeface="DejaVu Sans" pitchFamily="0" charset="0"/>
+                <a:ea typeface="DejaVu Sans" charset="0"/>
+                <a:cs typeface="DejaVu Sans" charset="0"/>
               </a:defRPr>
             </a:pPr>
             <a:r>
@@ -13725,9 +13649,9 @@
                 <a:solidFill>
                   <a:srgbClr val="FFFFFF"/>
                 </a:solidFill>
-                <a:latin typeface="Source Serif Pro" pitchFamily="0" charset="0"/>
-                <a:ea typeface="DejaVu Sans" pitchFamily="0" charset="0"/>
-                <a:cs typeface="DejaVu Sans" pitchFamily="0" charset="0"/>
+                <a:latin typeface="Source Serif Pro" charset="0"/>
+                <a:ea typeface="DejaVu Sans" charset="0"/>
+                <a:cs typeface="DejaVu Sans" charset="0"/>
               </a:rPr>
               <a:t>É um padrão conceitual que orienta soluções de projeto e implementação</a:t>
             </a:r>
@@ -13738,12 +13662,12 @@
                 <a:spcPct val="100000"/>
               </a:lnSpc>
               <a:buClrTx/>
-              <a:buFont typeface="Wingdings" pitchFamily="0" charset="2"/>
+              <a:buFont typeface="Wingdings" charset="2"/>
               <a:buChar char=""/>
               <a:defRPr lang="pt-br" cap="none">
                 <a:latin typeface="Arial" pitchFamily="2" charset="0"/>
-                <a:ea typeface="DejaVu Sans" pitchFamily="0" charset="0"/>
-                <a:cs typeface="DejaVu Sans" pitchFamily="0" charset="0"/>
+                <a:ea typeface="DejaVu Sans" charset="0"/>
+                <a:cs typeface="DejaVu Sans" charset="0"/>
               </a:defRPr>
             </a:pPr>
             <a:r>
@@ -13751,9 +13675,9 @@
                 <a:solidFill>
                   <a:srgbClr val="FFFFFF"/>
                 </a:solidFill>
-                <a:latin typeface="Source Serif Pro" pitchFamily="0" charset="0"/>
-                <a:ea typeface="DejaVu Sans" pitchFamily="0" charset="0"/>
-                <a:cs typeface="DejaVu Sans" pitchFamily="0" charset="0"/>
+                <a:latin typeface="Source Serif Pro" charset="0"/>
+                <a:ea typeface="DejaVu Sans" charset="0"/>
+                <a:cs typeface="DejaVu Sans" charset="0"/>
               </a:rPr>
               <a:t>Paradigmas explicam como os elementos que compõem um programa são organizados e como interagem entre si</a:t>
             </a:r>
@@ -13764,12 +13688,12 @@
                 <a:spcPct val="100000"/>
               </a:lnSpc>
               <a:buClrTx/>
-              <a:buFont typeface="Wingdings" pitchFamily="0" charset="2"/>
+              <a:buFont typeface="Wingdings" charset="2"/>
               <a:buChar char=""/>
               <a:defRPr lang="pt-br" cap="none">
                 <a:latin typeface="Arial" pitchFamily="2" charset="0"/>
-                <a:ea typeface="DejaVu Sans" pitchFamily="0" charset="0"/>
-                <a:cs typeface="DejaVu Sans" pitchFamily="0" charset="0"/>
+                <a:ea typeface="DejaVu Sans" charset="0"/>
+                <a:cs typeface="DejaVu Sans" charset="0"/>
               </a:defRPr>
             </a:pPr>
             <a:r>
@@ -13777,9 +13701,9 @@
                 <a:solidFill>
                   <a:srgbClr val="FFFFFF"/>
                 </a:solidFill>
-                <a:latin typeface="Source Serif Pro" pitchFamily="0" charset="0"/>
-                <a:ea typeface="DejaVu Sans" pitchFamily="0" charset="0"/>
-                <a:cs typeface="DejaVu Sans" pitchFamily="0" charset="0"/>
+                <a:latin typeface="Source Serif Pro" charset="0"/>
+                <a:ea typeface="DejaVu Sans" charset="0"/>
+                <a:cs typeface="DejaVu Sans" charset="0"/>
               </a:rPr>
               <a:t>Exemplos de paradigmas:</a:t>
             </a:r>
@@ -13791,10 +13715,18 @@
               </a:lnSpc>
               <a:defRPr lang="pt-br" cap="none">
                 <a:latin typeface="Arial" pitchFamily="2" charset="0"/>
-                <a:ea typeface="DejaVu Sans" pitchFamily="0" charset="0"/>
-                <a:cs typeface="DejaVu Sans" pitchFamily="0" charset="0"/>
+                <a:ea typeface="DejaVu Sans" charset="0"/>
+                <a:cs typeface="DejaVu Sans" charset="0"/>
               </a:defRPr>
             </a:pPr>
+            <a:endParaRPr lang="pt-br" cap="none">
+              <a:solidFill>
+                <a:srgbClr val="FFFFFF"/>
+              </a:solidFill>
+              <a:latin typeface="Source Serif Pro" charset="0"/>
+              <a:ea typeface="DejaVu Sans" charset="0"/>
+              <a:cs typeface="DejaVu Sans" charset="0"/>
+            </a:endParaRPr>
           </a:p>
           <a:p>
             <a:pPr>
@@ -13803,8 +13735,8 @@
               </a:lnSpc>
               <a:defRPr lang="pt-br" cap="none">
                 <a:latin typeface="Arial" pitchFamily="2" charset="0"/>
-                <a:ea typeface="DejaVu Sans" pitchFamily="0" charset="0"/>
-                <a:cs typeface="DejaVu Sans" pitchFamily="0" charset="0"/>
+                <a:ea typeface="DejaVu Sans" charset="0"/>
+                <a:cs typeface="DejaVu Sans" charset="0"/>
               </a:defRPr>
             </a:pPr>
             <a:r>
@@ -13812,9 +13744,9 @@
                 <a:solidFill>
                   <a:srgbClr val="FFFFFF"/>
                 </a:solidFill>
-                <a:latin typeface="Source Serif Pro" pitchFamily="0" charset="0"/>
-                <a:ea typeface="游ゴシック" pitchFamily="0" charset="0"/>
-                <a:cs typeface="DejaVu Sans" pitchFamily="0" charset="0"/>
+                <a:latin typeface="Source Serif Pro" charset="0"/>
+                <a:ea typeface="游ゴシック" charset="0"/>
+                <a:cs typeface="DejaVu Sans" charset="0"/>
               </a:rPr>
               <a:t>- Procedural</a:t>
             </a:r>
@@ -13826,8 +13758,8 @@
               </a:lnSpc>
               <a:defRPr lang="pt-br" cap="none">
                 <a:latin typeface="Arial" pitchFamily="2" charset="0"/>
-                <a:ea typeface="DejaVu Sans" pitchFamily="0" charset="0"/>
-                <a:cs typeface="DejaVu Sans" pitchFamily="0" charset="0"/>
+                <a:ea typeface="DejaVu Sans" charset="0"/>
+                <a:cs typeface="DejaVu Sans" charset="0"/>
               </a:defRPr>
             </a:pPr>
             <a:r>
@@ -13835,9 +13767,9 @@
                 <a:solidFill>
                   <a:srgbClr val="FFFFFF"/>
                 </a:solidFill>
-                <a:latin typeface="Source Serif Pro" pitchFamily="0" charset="0"/>
-                <a:ea typeface="游ゴシック" pitchFamily="0" charset="0"/>
-                <a:cs typeface="DejaVu Sans" pitchFamily="0" charset="0"/>
+                <a:latin typeface="Source Serif Pro" charset="0"/>
+                <a:ea typeface="游ゴシック" charset="0"/>
+                <a:cs typeface="DejaVu Sans" charset="0"/>
               </a:rPr>
               <a:t>	</a:t>
             </a:r>
@@ -13846,9 +13778,9 @@
                 <a:solidFill>
                   <a:srgbClr val="FFFFFF"/>
                 </a:solidFill>
-                <a:latin typeface="Source Serif Pro" pitchFamily="0" charset="0"/>
-                <a:ea typeface="游ゴシック" pitchFamily="0" charset="0"/>
-                <a:cs typeface="DejaVu Sans" pitchFamily="0" charset="0"/>
+                <a:latin typeface="Source Serif Pro" charset="0"/>
+                <a:ea typeface="游ゴシック" charset="0"/>
+                <a:cs typeface="DejaVu Sans" charset="0"/>
               </a:rPr>
               <a:t>Sequência de instruções modificando o estado.</a:t>
             </a:r>
@@ -13861,8 +13793,8 @@
               </a:lnSpc>
               <a:defRPr lang="pt-br" cap="none">
                 <a:latin typeface="Arial" pitchFamily="2" charset="0"/>
-                <a:ea typeface="DejaVu Sans" pitchFamily="0" charset="0"/>
-                <a:cs typeface="DejaVu Sans" pitchFamily="0" charset="0"/>
+                <a:ea typeface="DejaVu Sans" charset="0"/>
+                <a:cs typeface="DejaVu Sans" charset="0"/>
               </a:defRPr>
             </a:pPr>
             <a:r>
@@ -13870,9 +13802,9 @@
                 <a:solidFill>
                   <a:srgbClr val="FFFFFF"/>
                 </a:solidFill>
-                <a:latin typeface="Source Serif Pro" pitchFamily="0" charset="0"/>
-                <a:ea typeface="游ゴシック" pitchFamily="0" charset="0"/>
-                <a:cs typeface="DejaVu Sans" pitchFamily="0" charset="0"/>
+                <a:latin typeface="Source Serif Pro" charset="0"/>
+                <a:ea typeface="游ゴシック" charset="0"/>
+                <a:cs typeface="DejaVu Sans" charset="0"/>
               </a:rPr>
               <a:t>- Orientado a Objetos</a:t>
             </a:r>
@@ -13884,8 +13816,8 @@
               </a:lnSpc>
               <a:defRPr lang="pt-br" cap="none">
                 <a:latin typeface="Arial" pitchFamily="2" charset="0"/>
-                <a:ea typeface="DejaVu Sans" pitchFamily="0" charset="0"/>
-                <a:cs typeface="DejaVu Sans" pitchFamily="0" charset="0"/>
+                <a:ea typeface="DejaVu Sans" charset="0"/>
+                <a:cs typeface="DejaVu Sans" charset="0"/>
               </a:defRPr>
             </a:pPr>
             <a:r>
@@ -13893,9 +13825,9 @@
                 <a:solidFill>
                   <a:srgbClr val="FFFFFF"/>
                 </a:solidFill>
-                <a:latin typeface="Source Serif Pro" pitchFamily="0" charset="0"/>
-                <a:ea typeface="游ゴシック" pitchFamily="0" charset="0"/>
-                <a:cs typeface="DejaVu Sans" pitchFamily="0" charset="0"/>
+                <a:latin typeface="Source Serif Pro" charset="0"/>
+                <a:ea typeface="游ゴシック" charset="0"/>
+                <a:cs typeface="DejaVu Sans" charset="0"/>
               </a:rPr>
               <a:t>	</a:t>
             </a:r>
@@ -13904,9 +13836,9 @@
                 <a:solidFill>
                   <a:srgbClr val="FFFFFF"/>
                 </a:solidFill>
-                <a:latin typeface="Source Serif Pro" pitchFamily="0" charset="0"/>
-                <a:ea typeface="游ゴシック" pitchFamily="0" charset="0"/>
-                <a:cs typeface="DejaVu Sans" pitchFamily="0" charset="0"/>
+                <a:latin typeface="Source Serif Pro" charset="0"/>
+                <a:ea typeface="游ゴシック" charset="0"/>
+                <a:cs typeface="DejaVu Sans" charset="0"/>
               </a:rPr>
               <a:t>Organizado em torno de objetos com propriedades e comportamentos.</a:t>
             </a:r>
@@ -13919,8 +13851,8 @@
               </a:lnSpc>
               <a:defRPr lang="pt-br" cap="none">
                 <a:latin typeface="Arial" pitchFamily="2" charset="0"/>
-                <a:ea typeface="DejaVu Sans" pitchFamily="0" charset="0"/>
-                <a:cs typeface="DejaVu Sans" pitchFamily="0" charset="0"/>
+                <a:ea typeface="DejaVu Sans" charset="0"/>
+                <a:cs typeface="DejaVu Sans" charset="0"/>
               </a:defRPr>
             </a:pPr>
             <a:r>
@@ -13928,9 +13860,9 @@
                 <a:solidFill>
                   <a:srgbClr val="FFFFFF"/>
                 </a:solidFill>
-                <a:latin typeface="Source Serif Pro" pitchFamily="0" charset="0"/>
-                <a:ea typeface="游ゴシック" pitchFamily="0" charset="0"/>
-                <a:cs typeface="DejaVu Sans" pitchFamily="0" charset="0"/>
+                <a:latin typeface="Source Serif Pro" charset="0"/>
+                <a:ea typeface="游ゴシック" charset="0"/>
+                <a:cs typeface="DejaVu Sans" charset="0"/>
               </a:rPr>
               <a:t>- Funcional</a:t>
             </a:r>
@@ -13942,8 +13874,8 @@
               </a:lnSpc>
               <a:defRPr lang="pt-br" cap="none">
                 <a:latin typeface="Arial" pitchFamily="2" charset="0"/>
-                <a:ea typeface="DejaVu Sans" pitchFamily="0" charset="0"/>
-                <a:cs typeface="DejaVu Sans" pitchFamily="0" charset="0"/>
+                <a:ea typeface="DejaVu Sans" charset="0"/>
+                <a:cs typeface="DejaVu Sans" charset="0"/>
               </a:defRPr>
             </a:pPr>
             <a:r>
@@ -13951,9 +13883,9 @@
                 <a:solidFill>
                   <a:srgbClr val="FFFFFF"/>
                 </a:solidFill>
-                <a:latin typeface="Source Serif Pro" pitchFamily="0" charset="0"/>
-                <a:ea typeface="游ゴシック" pitchFamily="0" charset="0"/>
-                <a:cs typeface="DejaVu Sans" pitchFamily="0" charset="0"/>
+                <a:latin typeface="Source Serif Pro" charset="0"/>
+                <a:ea typeface="游ゴシック" charset="0"/>
+                <a:cs typeface="DejaVu Sans" charset="0"/>
               </a:rPr>
               <a:t>	</a:t>
             </a:r>
@@ -13962,9 +13894,9 @@
                 <a:solidFill>
                   <a:srgbClr val="FFFFFF"/>
                 </a:solidFill>
-                <a:latin typeface="Source Serif Pro" pitchFamily="0" charset="0"/>
-                <a:ea typeface="游ゴシック" pitchFamily="0" charset="0"/>
-                <a:cs typeface="DejaVu Sans" pitchFamily="0" charset="0"/>
+                <a:latin typeface="Source Serif Pro" charset="0"/>
+                <a:ea typeface="游ゴシック" charset="0"/>
+                <a:cs typeface="DejaVu Sans" charset="0"/>
               </a:rPr>
               <a:t>Baseado em funções puras e evita a mudança de estado.</a:t>
             </a:r>
@@ -13977,8 +13909,8 @@
               </a:lnSpc>
               <a:defRPr lang="pt-br" cap="none">
                 <a:latin typeface="Arial" pitchFamily="2" charset="0"/>
-                <a:ea typeface="DejaVu Sans" pitchFamily="0" charset="0"/>
-                <a:cs typeface="DejaVu Sans" pitchFamily="0" charset="0"/>
+                <a:ea typeface="DejaVu Sans" charset="0"/>
+                <a:cs typeface="DejaVu Sans" charset="0"/>
               </a:defRPr>
             </a:pPr>
             <a:endParaRPr lang="pt-br" sz="1200" cap="none"/>
@@ -13990,18 +13922,11 @@
   <p:clrMapOvr>
     <a:masterClrMapping/>
   </p:clrMapOvr>
-  <p:timing>
-    <p:tnLst>
-      <p:par>
-        <p:cTn id="1" dur="indefinite" restart="never" nodeType="tmRoot"/>
-      </p:par>
-    </p:tnLst>
-  </p:timing>
 </p:sld>
 </file>
 
 <file path=ppt/slides/slide20.xml><?xml version="1.0" encoding="utf-8"?>
-<p:sld xmlns:p="http://schemas.openxmlformats.org/presentationml/2006/main" xmlns:mc="http://schemas.openxmlformats.org/markup-compatibility/2006" xmlns:p14="http://schemas.microsoft.com/office/powerpoint/2010/main" xmlns:p15="http://schemas.microsoft.com/office/powerpoint/2012/main" xmlns:r="http://schemas.openxmlformats.org/officeDocument/2006/relationships" xmlns:a="http://schemas.openxmlformats.org/drawingml/2006/main" mc:Ignorable="p14">
+<p:sld xmlns:a="http://schemas.openxmlformats.org/drawingml/2006/main" xmlns:r="http://schemas.openxmlformats.org/officeDocument/2006/relationships" xmlns:p="http://schemas.openxmlformats.org/presentationml/2006/main">
   <p:cSld>
     <p:bg>
       <p:bgPr>
@@ -14031,7 +13956,7 @@
           <p:cNvSpPr>
             <a:extLst>
               <a:ext uri="smNativeData">
-                <pr:smNativeData xmlns:pr="smNativeData" xmlns="smNativeData" val="SMDATA_15_q5OGZBMAAAAlAAAAqgAAAA0AAAAAkAAAAEgAAACQAAAASAAAAAAAAAAAAAAAAAAAAAEAAABQAAAAda9fBcX/xz8AAAAAAADgPwAAAAAAAOA/AAAAAAAA4D8AAAAAAADgPwAAAAAAAOA/AAAAAAAA4D8AAAAAAADgPwAAAAAAAOA/AAAAAAAA4D8CAAAAjAAAAAEAAAAAAAAANEBQAP///wgAAAAAAAAAAAAAAAAAAAAAAAAAAAAAAAAAAAAAZAAAAAEAAABAAAAAAAAAAAAAAAAAAAAAAAAAAAAAAAAAAAAAAAAAAAAAAAAAAAAAAAAAAAAAAAAAAAAAAAAAAAAAAAAAAAAAAAAAAAAAAAAAAAAAAAAAAAAAAAAAAAAAFAAAADwAAAABAAAAAAAAAP///wgoAAAAAQAAABQAAAAUAAAAFAAAAAEAAAAAAAAAZAAAAGQAAAAAAAAAZAAAAGQAAAAVAAAAYAAAAAAAAAAAAAAADwAAACADAAAAAAAAAAAAAAEAAACgMgAAVgcAAKr4//8BAAAAf39/AAEAAABkAAAAAAAAABQAAABAHwAAAAAAACYAAAAAAAAAwOD//wAAAAAmAAAAZAAAABYAAABMAAAAAAAAAAAAAAAEAAAAAAAAAAEAAADn5uYKAAAAACgAAAAoAAAAZAAAAGQAAAAAAAAAzMzMAAAAAABQAAAAUAAAAGQAAABkAAAAAAAAABcAAAAUAAAAAAAAAAAAAAD/fwAA/38AAAAAAAAJAAAABAAAAOP///8eAAAAaAAAAAAAAAAAAAAAAAAAAAAAAAAAAAAAECcAABAnAAAAAAAAAAAAAAAAAAAAAAAAAAAAAAAAAAAAAAAAAAAAABQAAAAAAAAAwMD/AAAAAABkAAAAMgAAAAAAAABkAAAAAAAAAH9/fwAKAAAAIgAAABgAAAAAAAAAAAAAAAAAAAAAAAAAAAAAAAAAAAAkAAAAJAAAAAAAAAAHAAAAAAAAAAAAAAAAAAAAAAAAAAAAAAAAAAAAf39/ACUAAABYAAAAAAAAAAAAAAAAAAAAAAAAAAAAAAAAAAAAAAAAAAAAAAAAAAAAAAAAAAAAAAA/AAAAAAAAAKCGAQAAAAAAAAAAAAAAAAAMAAAAAQAAAAAAAAAAAAAAAAAAAB8AAABUAAAANEBQAP///wEAAAAAAAAAAAAAAAAAAAAAAAAAAAAAAAAAAAAAAAAAAP///wF/f38A5+bmA8zMzADAwP8Af39/AAAAAAAAAAAAAAAAAAAAAAAAAAAAIQAAABgAAAAUAAAAAAAAAAAAAAD/SgAALyoAABAAAAAmAAAACAAAAP//////////"/>
+                <pr:smNativeData xmlns="smNativeData" xmlns:pr="smNativeData" xmlns:p15="http://schemas.microsoft.com/office/powerpoint/2012/main" xmlns:p14="http://schemas.microsoft.com/office/powerpoint/2010/main" xmlns:mc="http://schemas.openxmlformats.org/markup-compatibility/2006" val="SMDATA_15_q5OGZBMAAAAlAAAAqgAAAA0AAAAAkAAAAEgAAACQAAAASAAAAAAAAAAAAAAAAAAAAAEAAABQAAAAda9fBcX/xz8AAAAAAADgPwAAAAAAAOA/AAAAAAAA4D8AAAAAAADgPwAAAAAAAOA/AAAAAAAA4D8AAAAAAADgPwAAAAAAAOA/AAAAAAAA4D8CAAAAjAAAAAEAAAAAAAAANEBQAP///wgAAAAAAAAAAAAAAAAAAAAAAAAAAAAAAAAAAAAAZAAAAAEAAABAAAAAAAAAAAAAAAAAAAAAAAAAAAAAAAAAAAAAAAAAAAAAAAAAAAAAAAAAAAAAAAAAAAAAAAAAAAAAAAAAAAAAAAAAAAAAAAAAAAAAAAAAAAAAAAAAAAAAFAAAADwAAAABAAAAAAAAAP///wgoAAAAAQAAABQAAAAUAAAAFAAAAAEAAAAAAAAAZAAAAGQAAAAAAAAAZAAAAGQAAAAVAAAAYAAAAAAAAAAAAAAADwAAACADAAAAAAAAAAAAAAEAAACgMgAAVgcAAKr4//8BAAAAf39/AAEAAABkAAAAAAAAABQAAABAHwAAAAAAACYAAAAAAAAAwOD//wAAAAAmAAAAZAAAABYAAABMAAAAAAAAAAAAAAAEAAAAAAAAAAEAAADn5uYKAAAAACgAAAAoAAAAZAAAAGQAAAAAAAAAzMzMAAAAAABQAAAAUAAAAGQAAABkAAAAAAAAABcAAAAUAAAAAAAAAAAAAAD/fwAA/38AAAAAAAAJAAAABAAAAOP///8eAAAAaAAAAAAAAAAAAAAAAAAAAAAAAAAAAAAAECcAABAnAAAAAAAAAAAAAAAAAAAAAAAAAAAAAAAAAAAAAAAAAAAAABQAAAAAAAAAwMD/AAAAAABkAAAAMgAAAAAAAABkAAAAAAAAAH9/fwAKAAAAIgAAABgAAAAAAAAAAAAAAAAAAAAAAAAAAAAAAAAAAAAkAAAAJAAAAAAAAAAHAAAAAAAAAAAAAAAAAAAAAAAAAAAAAAAAAAAAf39/ACUAAABYAAAAAAAAAAAAAAAAAAAAAAAAAAAAAAAAAAAAAAAAAAAAAAAAAAAAAAAAAAAAAAA/AAAAAAAAAKCGAQAAAAAAAAAAAAAAAAAMAAAAAQAAAAAAAAAAAAAAAAAAAB8AAABUAAAANEBQAP///wEAAAAAAAAAAAAAAAAAAAAAAAAAAAAAAAAAAAAAAAAAAP///wF/f38A5+bmA8zMzADAwP8Af39/AAAAAAAAAAAAAAAAAAAAAAAAAAAAIQAAABgAAAAUAAAAAAAAAAAAAAD/SgAALyoAABAAAAAmAAAACAAAAP//////////"/>
               </a:ext>
             </a:extLst>
           </p:cNvSpPr>
@@ -14067,7 +13992,7 @@
           <p:cNvSpPr>
             <a:extLst>
               <a:ext uri="smNativeData">
-                <pr:smNativeData xmlns:pr="smNativeData" xmlns="smNativeData" val="SMDATA_15_q5OGZBMAAAAlAAAAZAAAAA0AAAAAjgAAAEcAAACOAAAARwAAAAAAAAABAAAAAAAAAAEAAABQAAAAAAAAAAAA4D8AAAAAAADgPwAAAAAAAOA/AAAAAAAA4D8AAAAAAADgPwAAAAAAAOA/AAAAAAAA4D8AAAAAAADgPwAAAAAAAOA/AAAAAAAA4D8CAAAAjAAAAAEAAAAAAAAAIis1AP///wgAAAAAAAAAAAAAAAAAAAAAAAAAAAAAAAAAAAAAZAAAAAEAAABAAAAAAAAAAAAAAAAAAAAAAAAAAAAAAAAAAAAAAAAAAAAAAAAAAAAAAAAAAAAAAAAAAAAAAAAAAAAAAAAAAAAAAAAAAAAAAAAAAAAAAAAAAAAAAAAAAAAAFAAAADwAAAABAAAAAAAAAOfm5gooAAAAAQAAABQAAAAUAAAAFAAAAAEAAAAAAAAAZAAAAGQAAAAAAAAAZAAAAGQAAAAVAAAAYAAAAAAAAAAAAAAADwAAACADAAAAAAAAAAAAAAEAAACgMgAAVgcAAKr4//8BAAAAf39/AAEAAABkAAAAAAAAABQAAABAHwAAAAAAACYAAAAAAAAAwOD//wAAAAAmAAAAZAAAABYAAABMAAAAAAAAAAAAAAAEAAAAAAAAAAEAAADn5uYKAAAAACgAAAAoAAAAZAAAAGQAAAAAAAAAzMzMAAAAAABQAAAAUAAAAGQAAABkAAAAAAAAABcAAAAUAAAAAAAAAAAAAAD/fwAA/38AAAAAAAAJAAAABAAAAP3///8eAAAAaAAAAAAAAAAAAAAAAAAAAAAAAAAAAAAAECcAABAnAAAAAAAAAAAAAAAAAAAAAAAAAAAAAAAAAAAAAAAAAAAAABQAAAAAAAAAwMD/AAAAAABkAAAAMgAAAAAAAABkAAAAAAAAAH9/fwAKAAAAIgAAABgAAAAAAAAAAAAAAAAAAAAAAAAAAAAAAAAAAAAkAAAAJAAAAAAAAAAHAAAAAAAAAAAAAAAAAAAAAAAAAAAAAAAAAAAAf39/ACUAAABYAAAAAAAAAAAAAAAAAAAAAAAAAAAAAAAAAAAAAAAAAAAAAAAAAAAAAAAAAAAAAAA/AAAAAAAAAKCGAQAAAAAAAAAAAAAAAAAMAAAAAQAAAAAAAAAAAAAAAAAAAB8AAABUAAAAIis1AP///wEAAAAAAAAAAAAAAAAAAAAAAAAAAAAAAAAAAAAAAAAAAOfm5gN/f38A5+bmA8zMzADAwP8Af39/AAAAAAAAAAAAAAAAAAAAAAAAAAAAIQAAABgAAAAUAAAAbRQAAH4AAADoNgAAPQYAABAAAAAmAAAACAAAAP//////////"/>
+                <pr:smNativeData xmlns="smNativeData" xmlns:pr="smNativeData" xmlns:p15="http://schemas.microsoft.com/office/powerpoint/2012/main" xmlns:p14="http://schemas.microsoft.com/office/powerpoint/2010/main" xmlns:mc="http://schemas.openxmlformats.org/markup-compatibility/2006" val="SMDATA_15_q5OGZBMAAAAlAAAAZAAAAA0AAAAAjgAAAEcAAACOAAAARwAAAAAAAAABAAAAAAAAAAEAAABQAAAAAAAAAAAA4D8AAAAAAADgPwAAAAAAAOA/AAAAAAAA4D8AAAAAAADgPwAAAAAAAOA/AAAAAAAA4D8AAAAAAADgPwAAAAAAAOA/AAAAAAAA4D8CAAAAjAAAAAEAAAAAAAAAIis1AP///wgAAAAAAAAAAAAAAAAAAAAAAAAAAAAAAAAAAAAAZAAAAAEAAABAAAAAAAAAAAAAAAAAAAAAAAAAAAAAAAAAAAAAAAAAAAAAAAAAAAAAAAAAAAAAAAAAAAAAAAAAAAAAAAAAAAAAAAAAAAAAAAAAAAAAAAAAAAAAAAAAAAAAFAAAADwAAAABAAAAAAAAAOfm5gooAAAAAQAAABQAAAAUAAAAFAAAAAEAAAAAAAAAZAAAAGQAAAAAAAAAZAAAAGQAAAAVAAAAYAAAAAAAAAAAAAAADwAAACADAAAAAAAAAAAAAAEAAACgMgAAVgcAAKr4//8BAAAAf39/AAEAAABkAAAAAAAAABQAAABAHwAAAAAAACYAAAAAAAAAwOD//wAAAAAmAAAAZAAAABYAAABMAAAAAAAAAAAAAAAEAAAAAAAAAAEAAADn5uYKAAAAACgAAAAoAAAAZAAAAGQAAAAAAAAAzMzMAAAAAABQAAAAUAAAAGQAAABkAAAAAAAAABcAAAAUAAAAAAAAAAAAAAD/fwAA/38AAAAAAAAJAAAABAAAAP3///8eAAAAaAAAAAAAAAAAAAAAAAAAAAAAAAAAAAAAECcAABAnAAAAAAAAAAAAAAAAAAAAAAAAAAAAAAAAAAAAAAAAAAAAABQAAAAAAAAAwMD/AAAAAABkAAAAMgAAAAAAAABkAAAAAAAAAH9/fwAKAAAAIgAAABgAAAAAAAAAAAAAAAAAAAAAAAAAAAAAAAAAAAAkAAAAJAAAAAAAAAAHAAAAAAAAAAAAAAAAAAAAAAAAAAAAAAAAAAAAf39/ACUAAABYAAAAAAAAAAAAAAAAAAAAAAAAAAAAAAAAAAAAAAAAAAAAAAAAAAAAAAAAAAAAAAA/AAAAAAAAAKCGAQAAAAAAAAAAAAAAAAAMAAAAAQAAAAAAAAAAAAAAAAAAAB8AAABUAAAAIis1AP///wEAAAAAAAAAAAAAAAAAAAAAAAAAAAAAAAAAAAAAAAAAAOfm5gN/f38A5+bmA8zMzADAwP8Af39/AAAAAAAAAAAAAAAAAAAAAAAAAAAAIQAAABgAAAAUAAAAbRQAAH4AAADoNgAAPQYAABAAAAAmAAAACAAAAP//////////"/>
               </a:ext>
             </a:extLst>
           </p:cNvSpPr>
@@ -14104,8 +14029,8 @@
               </a:lnSpc>
               <a:defRPr lang="pt-br" cap="none">
                 <a:latin typeface="Arial" pitchFamily="2" charset="0"/>
-                <a:ea typeface="DejaVu Sans" pitchFamily="0" charset="0"/>
-                <a:cs typeface="DejaVu Sans" pitchFamily="0" charset="0"/>
+                <a:ea typeface="DejaVu Sans" charset="0"/>
+                <a:cs typeface="DejaVu Sans" charset="0"/>
               </a:defRPr>
             </a:pPr>
             <a:r>
@@ -14113,9 +14038,9 @@
                 <a:solidFill>
                   <a:srgbClr val="FFFFFF"/>
                 </a:solidFill>
-                <a:latin typeface="Montserrat" pitchFamily="0" charset="0"/>
-                <a:ea typeface="DejaVu Sans" pitchFamily="0" charset="0"/>
-                <a:cs typeface="DejaVu Sans" pitchFamily="0" charset="0"/>
+                <a:latin typeface="Montserrat" charset="0"/>
+                <a:ea typeface="DejaVu Sans" charset="0"/>
+                <a:cs typeface="DejaVu Sans" charset="0"/>
               </a:rPr>
               <a:t>Exemplos em Javascript</a:t>
             </a:r>
@@ -14129,7 +14054,7 @@
           <p:cNvPicPr>
             <a:extLst>
               <a:ext uri="smNativeData">
-                <pr:smNativeData xmlns:pr="smNativeData" xmlns="smNativeData" val="SMDATA_17_q5OGZBMAAAAlAAAAEQAAAA0AAAAAkAAAAEgAAACQAAAASAAAAAAAAAAAAAAAAAAAAAEAAABQAAAAAAAAAAAA4D8AAAAAAADgPwAAAAAAAOA/AAAAAAAA4D8AAAAAAADgPwAAAAAAAOA/AAAAAAAA4D8AAAAAAADgPwAAAAAAAOA/AAAAAAAA4D8CAAAAjAAAAAAAAAAAAAAARHLEDP///wgAAAAAAAAAAAAAAAAAAAAAAAAAAAAAAAAAAAAAZAAAAAEAAABAAAAAAAAAAAAAAAAAAAAAAAAAAAAAAAAAAAAAAAAAAAAAAAAAAAAAAAAAAAAAAAAAAAAAAAAAAAAAAAAAAAAAAAAAAAAAAAAAAAAAAAAAAAAAAAAAAAAAFAAAADwAAAAAAAAAAAAAAAAAAAkUAAAAAQAAABQAAAAUAAAAFAAAAAEAAAAAAAAAZAAAAGQAAAAAAAAAZAAAAGQAAAAVAAAAYAAAAAAAAAAAAAAADwAAACADAAAAAAAAAAAAAAEAAACgMgAAVgcAAKr4//8BAAAAf39/AAEAAABkAAAAAAAAABQAAABAHwAAAAAAACYAAAAAAAAAwOD//wAAAAAmAAAAZAAAABYAAABMAAAAAAAAAAAAAAAEAAAAAAAAAAEAAADn5uYKAAAAACgAAAAoAAAAZAAAAGQAAAAAAAAAzMzMAAAAAABQAAAAUAAAAGQAAABkAAAAAAAAAAcAAAA4AAAAAAAAAAAAAAAAAAAA////AAAAAAAAAAAAAAAAAAAAAAAAAAAAAAAAAAAAAABkAAAAZAAAAAAAAAAjAAAABAAAAGQAAAAXAAAAFAAAAAAAAAAAAAAA/38AAP9/AAAAAAAACQAAAAQAAAABAAAAHgAAAGgAAAAAAAAAAAAAAAAAAAAAAAAAAAAAABAnAAAQJwAAAAAAAAAAAAAAAAAAAAAAAAAAAAAAAAAAAAAAAAAAAAAUAAAAAAAAAMDA/wAAAAAAZAAAADIAAAAAAAAAZAAAAAAAAAB/f38ACgAAACIAAAAYAAAAAAAAAAAAAAAAAAAAAAAAAAAAAAAAAAAAJAAAACQAAAAAAAAABwAAAAAAAAAAAAAAAAAAAAAAAAAAAAAAAAAAAH9/fwAlAAAAWAAAAAAAAAAAAAAAAAAAAAAAAAAAAAAAAAAAAAAAAAAAAAAAAAAAAAAAAAAAAAAAPwAAAAAAAACghgEAAAAAAAAAAAAAAAAADAAAAAEAAAAAAAAAAAAAAAAAAAAfAAAAVAAAAERyxAX///8BAAAAAAAAAAAAAAAAAAAAAAAAAAAAAAAAAAAAAAAAAAAAAAACf39/AOfm5gPMzMwAwMD/AH9/fwAAAAAAAAAAAAAAAAD///8AAAAAACEAAAAYAAAAFAAAADIDAAAIBwAAjyQAAJwoAAAQAAAAJgAAAAgAAAD//////////w=="/>
+                <pr:smNativeData xmlns="smNativeData" xmlns:pr="smNativeData" xmlns:p15="http://schemas.microsoft.com/office/powerpoint/2012/main" xmlns:p14="http://schemas.microsoft.com/office/powerpoint/2010/main" xmlns:mc="http://schemas.openxmlformats.org/markup-compatibility/2006" val="SMDATA_17_q5OGZBMAAAAlAAAAEQAAAA0AAAAAkAAAAEgAAACQAAAASAAAAAAAAAAAAAAAAAAAAAEAAABQAAAAAAAAAAAA4D8AAAAAAADgPwAAAAAAAOA/AAAAAAAA4D8AAAAAAADgPwAAAAAAAOA/AAAAAAAA4D8AAAAAAADgPwAAAAAAAOA/AAAAAAAA4D8CAAAAjAAAAAAAAAAAAAAARHLEDP///wgAAAAAAAAAAAAAAAAAAAAAAAAAAAAAAAAAAAAAZAAAAAEAAABAAAAAAAAAAAAAAAAAAAAAAAAAAAAAAAAAAAAAAAAAAAAAAAAAAAAAAAAAAAAAAAAAAAAAAAAAAAAAAAAAAAAAAAAAAAAAAAAAAAAAAAAAAAAAAAAAAAAAFAAAADwAAAAAAAAAAAAAAAAAAAkUAAAAAQAAABQAAAAUAAAAFAAAAAEAAAAAAAAAZAAAAGQAAAAAAAAAZAAAAGQAAAAVAAAAYAAAAAAAAAAAAAAADwAAACADAAAAAAAAAAAAAAEAAACgMgAAVgcAAKr4//8BAAAAf39/AAEAAABkAAAAAAAAABQAAABAHwAAAAAAACYAAAAAAAAAwOD//wAAAAAmAAAAZAAAABYAAABMAAAAAAAAAAAAAAAEAAAAAAAAAAEAAADn5uYKAAAAACgAAAAoAAAAZAAAAGQAAAAAAAAAzMzMAAAAAABQAAAAUAAAAGQAAABkAAAAAAAAAAcAAAA4AAAAAAAAAAAAAAAAAAAA////AAAAAAAAAAAAAAAAAAAAAAAAAAAAAAAAAAAAAABkAAAAZAAAAAAAAAAjAAAABAAAAGQAAAAXAAAAFAAAAAAAAAAAAAAA/38AAP9/AAAAAAAACQAAAAQAAAABAAAAHgAAAGgAAAAAAAAAAAAAAAAAAAAAAAAAAAAAABAnAAAQJwAAAAAAAAAAAAAAAAAAAAAAAAAAAAAAAAAAAAAAAAAAAAAUAAAAAAAAAMDA/wAAAAAAZAAAADIAAAAAAAAAZAAAAAAAAAB/f38ACgAAACIAAAAYAAAAAAAAAAAAAAAAAAAAAAAAAAAAAAAAAAAAJAAAACQAAAAAAAAABwAAAAAAAAAAAAAAAAAAAAAAAAAAAAAAAAAAAH9/fwAlAAAAWAAAAAAAAAAAAAAAAAAAAAAAAAAAAAAAAAAAAAAAAAAAAAAAAAAAAAAAAAAAAAAAPwAAAAAAAACghgEAAAAAAAAAAAAAAAAADAAAAAEAAAAAAAAAAAAAAAAAAAAfAAAAVAAAAERyxAX///8BAAAAAAAAAAAAAAAAAAAAAAAAAAAAAAAAAAAAAAAAAAAAAAACf39/AOfm5gPMzMwAwMD/AH9/fwAAAAAAAAAAAAAAAAD///8AAAAAACEAAAAYAAAAFAAAADIDAAAIBwAAjyQAAJwoAAAQAAAAJgAAAAgAAAD//////////w=="/>
               </a:ext>
             </a:extLst>
           </p:cNvPicPr>
@@ -14162,7 +14087,7 @@
           <p:cNvPicPr>
             <a:extLst>
               <a:ext uri="smNativeData">
-                <pr:smNativeData xmlns:pr="smNativeData" xmlns="smNativeData" val="SMDATA_17_q5OGZBMAAAAlAAAAEQAAAA0AAAAAkAAAAEgAAACQAAAASAAAAAAAAAAAAAAAAAAAAAEAAABQAAAAAAAAAAAA4D8AAAAAAADgPwAAAAAAAOA/AAAAAAAA4D8AAAAAAADgPwAAAAAAAOA/AAAAAAAA4D8AAAAAAADgPwAAAAAAAOA/AAAAAAAA4D8CAAAAjAAAAAAAAAAAAAAARHLEDP///wgAAAAAAAAAAAAAAAAAAAAAAAAAAAAAAAAAAAAAZAAAAAEAAABAAAAAAAAAAAAAAAAAAAAAAAAAAAAAAAAAAAAAAAAAAAAAAAAAAAAAAAAAAAAAAAAAAAAAAAAAAAAAAAAAAAAAAAAAAAAAAAAAAAAAAAAAAAAAAAAAAAAAFAAAADwAAAAAAAAAAAAAAAAAAAkUAAAAAQAAABQAAAAUAAAAFAAAAAEAAAAAAAAAZAAAAGQAAAAAAAAAZAAAAGQAAAAVAAAAYAAAAAAAAAAAAAAADwAAACADAAAAAAAAAAAAAAEAAACgMgAAVgcAAKr4//8BAAAAf39/AAEAAABkAAAAAAAAABQAAABAHwAAAAAAACYAAAAAAAAAwOD//wAAAAAmAAAAZAAAABYAAABMAAAAAAAAAAAAAAAEAAAAAAAAAAEAAADn5uYKAAAAACgAAAAoAAAAZAAAAGQAAAAAAAAAzMzMAAAAAABQAAAAUAAAAGQAAABkAAAAAAAAAAcAAAA4AAAAAAAAAAAAAAAAAAAA////AAAAAAAAAAAAAAAAAAAAAAAAAAAAAAAAAAAAAABkAAAAZAAAAAAAAAAjAAAABAAAAGQAAAAXAAAAFAAAAAAAAAAAAAAA/38AAP9/AAAAAAAACQAAAAQAAAAKAAAAHgAAAGgAAAAAAAAAAAAAAAAAAAAAAAAAAAAAABAnAAAQJwAAAAAAAAAAAAAAAAAAAAAAAAAAAAAAAAAAAAAAAAAAAAAUAAAAAAAAAMDA/wAAAAAAZAAAADIAAAAAAAAAZAAAAAAAAAB/f38ACgAAACIAAAAYAAAAAAAAAAAAAAAAAAAAAAAAAAAAAAAAAAAAJAAAACQAAAAAAAAABwAAAAAAAAAAAAAAAAAAAAAAAAAAAAAAAAAAAH9/fwAlAAAAWAAAAAAAAAAAAAAAAAAAAAAAAAAAAAAAAAAAAAAAAAAAAAAAAAAAAAAAAAAAAAAAPwAAAAAAAACghgEAAAAAAAAAAAAAAAAADAAAAAEAAAAAAAAAAAAAAAAAAAAfAAAAVAAAAERyxAX///8BAAAAAAAAAAAAAAAAAAAAAAAAAAAAAAAAAAAAAAAAAAAAAAACf39/AOfm5gPMzMwAwMD/AH9/fwAAAAAAAAAAAAAAAAD///8AAAAAACEAAAAYAAAAFAAAAPglAABwCAAAe0cAABQoAAAQAAAAJgAAAAgAAAD//////////w=="/>
+                <pr:smNativeData xmlns="smNativeData" xmlns:pr="smNativeData" xmlns:p15="http://schemas.microsoft.com/office/powerpoint/2012/main" xmlns:p14="http://schemas.microsoft.com/office/powerpoint/2010/main" xmlns:mc="http://schemas.openxmlformats.org/markup-compatibility/2006" val="SMDATA_17_q5OGZBMAAAAlAAAAEQAAAA0AAAAAkAAAAEgAAACQAAAASAAAAAAAAAAAAAAAAAAAAAEAAABQAAAAAAAAAAAA4D8AAAAAAADgPwAAAAAAAOA/AAAAAAAA4D8AAAAAAADgPwAAAAAAAOA/AAAAAAAA4D8AAAAAAADgPwAAAAAAAOA/AAAAAAAA4D8CAAAAjAAAAAAAAAAAAAAARHLEDP///wgAAAAAAAAAAAAAAAAAAAAAAAAAAAAAAAAAAAAAZAAAAAEAAABAAAAAAAAAAAAAAAAAAAAAAAAAAAAAAAAAAAAAAAAAAAAAAAAAAAAAAAAAAAAAAAAAAAAAAAAAAAAAAAAAAAAAAAAAAAAAAAAAAAAAAAAAAAAAAAAAAAAAFAAAADwAAAAAAAAAAAAAAAAAAAkUAAAAAQAAABQAAAAUAAAAFAAAAAEAAAAAAAAAZAAAAGQAAAAAAAAAZAAAAGQAAAAVAAAAYAAAAAAAAAAAAAAADwAAACADAAAAAAAAAAAAAAEAAACgMgAAVgcAAKr4//8BAAAAf39/AAEAAABkAAAAAAAAABQAAABAHwAAAAAAACYAAAAAAAAAwOD//wAAAAAmAAAAZAAAABYAAABMAAAAAAAAAAAAAAAEAAAAAAAAAAEAAADn5uYKAAAAACgAAAAoAAAAZAAAAGQAAAAAAAAAzMzMAAAAAABQAAAAUAAAAGQAAABkAAAAAAAAAAcAAAA4AAAAAAAAAAAAAAAAAAAA////AAAAAAAAAAAAAAAAAAAAAAAAAAAAAAAAAAAAAABkAAAAZAAAAAAAAAAjAAAABAAAAGQAAAAXAAAAFAAAAAAAAAAAAAAA/38AAP9/AAAAAAAACQAAAAQAAAAKAAAAHgAAAGgAAAAAAAAAAAAAAAAAAAAAAAAAAAAAABAnAAAQJwAAAAAAAAAAAAAAAAAAAAAAAAAAAAAAAAAAAAAAAAAAAAAUAAAAAAAAAMDA/wAAAAAAZAAAADIAAAAAAAAAZAAAAAAAAAB/f38ACgAAACIAAAAYAAAAAAAAAAAAAAAAAAAAAAAAAAAAAAAAAAAAJAAAACQAAAAAAAAABwAAAAAAAAAAAAAAAAAAAAAAAAAAAAAAAAAAAH9/fwAlAAAAWAAAAAAAAAAAAAAAAAAAAAAAAAAAAAAAAAAAAAAAAAAAAAAAAAAAAAAAAAAAAAAAPwAAAAAAAACghgEAAAAAAAAAAAAAAAAADAAAAAEAAAAAAAAAAAAAAAAAAAAfAAAAVAAAAERyxAX///8BAAAAAAAAAAAAAAAAAAAAAAAAAAAAAAAAAAAAAAAAAAAAAAACf39/AOfm5gPMzMwAwMD/AH9/fwAAAAAAAAAAAAAAAAD///8AAAAAACEAAAAYAAAAFAAAAPglAABwCAAAe0cAABQoAAAQAAAAJgAAAAgAAAD//////////w=="/>
               </a:ext>
             </a:extLst>
           </p:cNvPicPr>
@@ -14194,18 +14119,11 @@
   <p:clrMapOvr>
     <a:masterClrMapping/>
   </p:clrMapOvr>
-  <p:timing>
-    <p:tnLst>
-      <p:par>
-        <p:cTn id="1" dur="indefinite" restart="never" nodeType="tmRoot"/>
-      </p:par>
-    </p:tnLst>
-  </p:timing>
 </p:sld>
 </file>
 
 <file path=ppt/slides/slide21.xml><?xml version="1.0" encoding="utf-8"?>
-<p:sld xmlns:p="http://schemas.openxmlformats.org/presentationml/2006/main" xmlns:mc="http://schemas.openxmlformats.org/markup-compatibility/2006" xmlns:p14="http://schemas.microsoft.com/office/powerpoint/2010/main" xmlns:p15="http://schemas.microsoft.com/office/powerpoint/2012/main" xmlns:r="http://schemas.openxmlformats.org/officeDocument/2006/relationships" xmlns:a="http://schemas.openxmlformats.org/drawingml/2006/main" mc:Ignorable="p14">
+<p:sld xmlns:a="http://schemas.openxmlformats.org/drawingml/2006/main" xmlns:r="http://schemas.openxmlformats.org/officeDocument/2006/relationships" xmlns:p="http://schemas.openxmlformats.org/presentationml/2006/main">
   <p:cSld>
     <p:bg>
       <p:bgPr>
@@ -14235,7 +14153,7 @@
           <p:cNvSpPr>
             <a:extLst>
               <a:ext uri="smNativeData">
-                <pr:smNativeData xmlns:pr="smNativeData" xmlns="smNativeData" val="SMDATA_15_q5OGZBMAAAAlAAAAqgAAAA0AAAAAkAAAAEgAAACQAAAASAAAAAAAAAAAAAAAAAAAAAEAAABQAAAAda9fBcX/xz8AAAAAAADgPwAAAAAAAOA/AAAAAAAA4D8AAAAAAADgPwAAAAAAAOA/AAAAAAAA4D8AAAAAAADgPwAAAAAAAOA/AAAAAAAA4D8CAAAAjAAAAAEAAAAAAAAANEBQAP///wgAAAAAAAAAAAAAAAAAAAAAAAAAAAAAAAAAAAAAZAAAAAEAAABAAAAAAAAAAAAAAAAAAAAAAAAAAAAAAAAAAAAAAAAAAAAAAAAAAAAAAAAAAAAAAAAAAAAAAAAAAAAAAAAAAAAAAAAAAAAAAAAAAAAAAAAAAAAAAAAAAAAAFAAAADwAAAABAAAAAAAAAP///wgoAAAAAQAAABQAAAAUAAAAFAAAAAEAAAAAAAAAZAAAAGQAAAAAAAAAZAAAAGQAAAAVAAAAYAAAAAAAAAAAAAAADwAAACADAAAAAAAAAAAAAAEAAACgMgAAVgcAAKr4//8BAAAAf39/AAEAAABkAAAAAAAAABQAAABAHwAAAAAAACYAAAAAAAAAwOD//wAAAAAmAAAAZAAAABYAAABMAAAAAAAAAAAAAAAEAAAAAAAAAAEAAADn5uYKAAAAACgAAAAoAAAAZAAAAGQAAAAAAAAAzMzMAAAAAABQAAAAUAAAAGQAAABkAAAAAAAAABcAAAAUAAAAAAAAAAAAAAD/fwAA/38AAAAAAAAJAAAABAAAAPf///8eAAAAaAAAAAAAAAAAAAAAAAAAAAAAAAAAAAAAECcAABAnAAAAAAAAAAAAAAAAAAAAAAAAAAAAAAAAAAAAAAAAAAAAABQAAAAAAAAAwMD/AAAAAABkAAAAMgAAAAAAAABkAAAAAAAAAH9/fwAKAAAAIgAAABgAAAAAAAAAAAAAAAAAAAAAAAAAAAAAAAAAAAAkAAAAJAAAAAAAAAAHAAAAAAAAAAAAAAAAAAAAAAAAAAAAAAAAAAAAf39/ACUAAABYAAAAAAAAAAAAAAAAAAAAAAAAAAAAAAAAAAAAAAAAAAAAAAAAAAAAAAAAAAAAAAA/AAAAAAAAAKCGAQAAAAAAAAAAAAAAAAAMAAAAAQAAAAAAAAAAAAAAAAAAAB8AAABUAAAANEBQAP///wEAAAAAAAAAAAAAAAAAAAAAAAAAAAAAAAAAAAAAAAAAAP///wF/f38A5+bmA8zMzADAwP8Af39/AAAAAAAAAAAAAAAAAAAAAAAAAAAAIQAAABgAAAAUAAAAAAAAAAAAAAD/SgAALyoAABAAAAAmAAAACAAAAP//////////"/>
+                <pr:smNativeData xmlns="smNativeData" xmlns:pr="smNativeData" xmlns:p15="http://schemas.microsoft.com/office/powerpoint/2012/main" xmlns:p14="http://schemas.microsoft.com/office/powerpoint/2010/main" xmlns:mc="http://schemas.openxmlformats.org/markup-compatibility/2006" val="SMDATA_15_q5OGZBMAAAAlAAAAqgAAAA0AAAAAkAAAAEgAAACQAAAASAAAAAAAAAAAAAAAAAAAAAEAAABQAAAAda9fBcX/xz8AAAAAAADgPwAAAAAAAOA/AAAAAAAA4D8AAAAAAADgPwAAAAAAAOA/AAAAAAAA4D8AAAAAAADgPwAAAAAAAOA/AAAAAAAA4D8CAAAAjAAAAAEAAAAAAAAANEBQAP///wgAAAAAAAAAAAAAAAAAAAAAAAAAAAAAAAAAAAAAZAAAAAEAAABAAAAAAAAAAAAAAAAAAAAAAAAAAAAAAAAAAAAAAAAAAAAAAAAAAAAAAAAAAAAAAAAAAAAAAAAAAAAAAAAAAAAAAAAAAAAAAAAAAAAAAAAAAAAAAAAAAAAAFAAAADwAAAABAAAAAAAAAP///wgoAAAAAQAAABQAAAAUAAAAFAAAAAEAAAAAAAAAZAAAAGQAAAAAAAAAZAAAAGQAAAAVAAAAYAAAAAAAAAAAAAAADwAAACADAAAAAAAAAAAAAAEAAACgMgAAVgcAAKr4//8BAAAAf39/AAEAAABkAAAAAAAAABQAAABAHwAAAAAAACYAAAAAAAAAwOD//wAAAAAmAAAAZAAAABYAAABMAAAAAAAAAAAAAAAEAAAAAAAAAAEAAADn5uYKAAAAACgAAAAoAAAAZAAAAGQAAAAAAAAAzMzMAAAAAABQAAAAUAAAAGQAAABkAAAAAAAAABcAAAAUAAAAAAAAAAAAAAD/fwAA/38AAAAAAAAJAAAABAAAAPf///8eAAAAaAAAAAAAAAAAAAAAAAAAAAAAAAAAAAAAECcAABAnAAAAAAAAAAAAAAAAAAAAAAAAAAAAAAAAAAAAAAAAAAAAABQAAAAAAAAAwMD/AAAAAABkAAAAMgAAAAAAAABkAAAAAAAAAH9/fwAKAAAAIgAAABgAAAAAAAAAAAAAAAAAAAAAAAAAAAAAAAAAAAAkAAAAJAAAAAAAAAAHAAAAAAAAAAAAAAAAAAAAAAAAAAAAAAAAAAAAf39/ACUAAABYAAAAAAAAAAAAAAAAAAAAAAAAAAAAAAAAAAAAAAAAAAAAAAAAAAAAAAAAAAAAAAA/AAAAAAAAAKCGAQAAAAAAAAAAAAAAAAAMAAAAAQAAAAAAAAAAAAAAAAAAAB8AAABUAAAANEBQAP///wEAAAAAAAAAAAAAAAAAAAAAAAAAAAAAAAAAAAAAAAAAAP///wF/f38A5+bmA8zMzADAwP8Af39/AAAAAAAAAAAAAAAAAAAAAAAAAAAAIQAAABgAAAAUAAAAAAAAAAAAAAD/SgAALyoAABAAAAAmAAAACAAAAP//////////"/>
               </a:ext>
             </a:extLst>
           </p:cNvSpPr>
@@ -14271,7 +14189,7 @@
           <p:cNvSpPr>
             <a:extLst>
               <a:ext uri="smNativeData">
-                <pr:smNativeData xmlns:pr="smNativeData" xmlns="smNativeData" val="SMDATA_15_q5OGZBMAAAAlAAAAZAAAAA0AAAAAjgAAAEcAAACOAAAARwAAAAAAAAABAAAAAAAAAAEAAABQAAAAAAAAAAAA4D8AAAAAAADgPwAAAAAAAOA/AAAAAAAA4D8AAAAAAADgPwAAAAAAAOA/AAAAAAAA4D8AAAAAAADgPwAAAAAAAOA/AAAAAAAA4D8CAAAAjAAAAAEAAAAAAAAAIis1AP///wgAAAAAAAAAAAAAAAAAAAAAAAAAAAAAAAAAAAAAZAAAAAEAAABAAAAAAAAAAAAAAAAAAAAAAAAAAAAAAAAAAAAAAAAAAAAAAAAAAAAAAAAAAAAAAAAAAAAAAAAAAAAAAAAAAAAAAAAAAAAAAAAAAAAAAAAAAAAAAAAAAAAAFAAAADwAAAABAAAAAAAAAOfm5gooAAAAAQAAABQAAAAUAAAAFAAAAAEAAAAAAAAAZAAAAGQAAAAAAAAAZAAAAGQAAAAVAAAAYAAAAAAAAAAAAAAADwAAACADAAAAAAAAAAAAAAEAAACgMgAAVgcAAKr4//8BAAAAf39/AAEAAABkAAAAAAAAABQAAABAHwAAAAAAACYAAAAAAAAAwOD//wAAAAAmAAAAZAAAABYAAABMAAAAAAAAAAAAAAAEAAAAAAAAAAEAAADn5uYKAAAAACgAAAAoAAAAZAAAAGQAAAAAAAAAzMzMAAAAAABQAAAAUAAAAGQAAABkAAAAAAAAABcAAAAUAAAAAAAAAAAAAAD/fwAA/38AAAAAAAAJAAAABAAAAOT///8eAAAAaAAAAAAAAAAAAAAAAAAAAAAAAAAAAAAAECcAABAnAAAAAAAAAAAAAAAAAAAAAAAAAAAAAAAAAAAAAAAAAAAAABQAAAAAAAAAwMD/AAAAAABkAAAAMgAAAAAAAABkAAAAAAAAAH9/fwAKAAAAIgAAABgAAAAAAAAAAAAAAAAAAAAAAAAAAAAAAAAAAAAkAAAAJAAAAAAAAAAHAAAAAAAAAAAAAAAAAAAAAAAAAAAAAAAAAAAAf39/ACUAAABYAAAAAAAAAAAAAAAAAAAAAAAAAAAAAAAAAAAAAAAAAAAAAAAAAAAAAAAAAAAAAAA/AAAAAAAAAKCGAQAAAAAAAAAAAAAAAAAMAAAAAQAAAAAAAAAAAAAAAAAAAB8AAABUAAAAIis1AP///wEAAAAAAAAAAAAAAAAAAAAAAAAAAAAAAAAAAAAAAAAAAOfm5gN/f38A5+bmA8zMzADAwP8Af39/AAAAAAAAAAAAAAAAAAAAAAAAAAAAIQAAABgAAAAUAAAAbRQAAH4AAADoNgAAPQYAABAAAAAmAAAACAAAAP//////////"/>
+                <pr:smNativeData xmlns="smNativeData" xmlns:pr="smNativeData" xmlns:p15="http://schemas.microsoft.com/office/powerpoint/2012/main" xmlns:p14="http://schemas.microsoft.com/office/powerpoint/2010/main" xmlns:mc="http://schemas.openxmlformats.org/markup-compatibility/2006" val="SMDATA_15_q5OGZBMAAAAlAAAAZAAAAA0AAAAAjgAAAEcAAACOAAAARwAAAAAAAAABAAAAAAAAAAEAAABQAAAAAAAAAAAA4D8AAAAAAADgPwAAAAAAAOA/AAAAAAAA4D8AAAAAAADgPwAAAAAAAOA/AAAAAAAA4D8AAAAAAADgPwAAAAAAAOA/AAAAAAAA4D8CAAAAjAAAAAEAAAAAAAAAIis1AP///wgAAAAAAAAAAAAAAAAAAAAAAAAAAAAAAAAAAAAAZAAAAAEAAABAAAAAAAAAAAAAAAAAAAAAAAAAAAAAAAAAAAAAAAAAAAAAAAAAAAAAAAAAAAAAAAAAAAAAAAAAAAAAAAAAAAAAAAAAAAAAAAAAAAAAAAAAAAAAAAAAAAAAFAAAADwAAAABAAAAAAAAAOfm5gooAAAAAQAAABQAAAAUAAAAFAAAAAEAAAAAAAAAZAAAAGQAAAAAAAAAZAAAAGQAAAAVAAAAYAAAAAAAAAAAAAAADwAAACADAAAAAAAAAAAAAAEAAACgMgAAVgcAAKr4//8BAAAAf39/AAEAAABkAAAAAAAAABQAAABAHwAAAAAAACYAAAAAAAAAwOD//wAAAAAmAAAAZAAAABYAAABMAAAAAAAAAAAAAAAEAAAAAAAAAAEAAADn5uYKAAAAACgAAAAoAAAAZAAAAGQAAAAAAAAAzMzMAAAAAABQAAAAUAAAAGQAAABkAAAAAAAAABcAAAAUAAAAAAAAAAAAAAD/fwAA/38AAAAAAAAJAAAABAAAAOT///8eAAAAaAAAAAAAAAAAAAAAAAAAAAAAAAAAAAAAECcAABAnAAAAAAAAAAAAAAAAAAAAAAAAAAAAAAAAAAAAAAAAAAAAABQAAAAAAAAAwMD/AAAAAABkAAAAMgAAAAAAAABkAAAAAAAAAH9/fwAKAAAAIgAAABgAAAAAAAAAAAAAAAAAAAAAAAAAAAAAAAAAAAAkAAAAJAAAAAAAAAAHAAAAAAAAAAAAAAAAAAAAAAAAAAAAAAAAAAAAf39/ACUAAABYAAAAAAAAAAAAAAAAAAAAAAAAAAAAAAAAAAAAAAAAAAAAAAAAAAAAAAAAAAAAAAA/AAAAAAAAAKCGAQAAAAAAAAAAAAAAAAAMAAAAAQAAAAAAAAAAAAAAAAAAAB8AAABUAAAAIis1AP///wEAAAAAAAAAAAAAAAAAAAAAAAAAAAAAAAAAAAAAAAAAAOfm5gN/f38A5+bmA8zMzADAwP8Af39/AAAAAAAAAAAAAAAAAAAAAAAAAAAAIQAAABgAAAAUAAAAbRQAAH4AAADoNgAAPQYAABAAAAAmAAAACAAAAP//////////"/>
               </a:ext>
             </a:extLst>
           </p:cNvSpPr>
@@ -14308,8 +14226,8 @@
               </a:lnSpc>
               <a:defRPr lang="pt-br" cap="none">
                 <a:latin typeface="Arial" pitchFamily="2" charset="0"/>
-                <a:ea typeface="DejaVu Sans" pitchFamily="0" charset="0"/>
-                <a:cs typeface="DejaVu Sans" pitchFamily="0" charset="0"/>
+                <a:ea typeface="DejaVu Sans" charset="0"/>
+                <a:cs typeface="DejaVu Sans" charset="0"/>
               </a:defRPr>
             </a:pPr>
             <a:r>
@@ -14317,9 +14235,9 @@
                 <a:solidFill>
                   <a:srgbClr val="FFFFFF"/>
                 </a:solidFill>
-                <a:latin typeface="Montserrat" pitchFamily="0" charset="0"/>
-                <a:ea typeface="DejaVu Sans" pitchFamily="0" charset="0"/>
-                <a:cs typeface="DejaVu Sans" pitchFamily="0" charset="0"/>
+                <a:latin typeface="Montserrat" charset="0"/>
+                <a:ea typeface="DejaVu Sans" charset="0"/>
+                <a:cs typeface="DejaVu Sans" charset="0"/>
               </a:rPr>
               <a:t>Exemplos em Javascript – </a:t>
             </a:r>
@@ -14332,8 +14250,8 @@
               </a:lnSpc>
               <a:defRPr lang="pt-br" cap="none">
                 <a:latin typeface="Arial" pitchFamily="2" charset="0"/>
-                <a:ea typeface="DejaVu Sans" pitchFamily="0" charset="0"/>
-                <a:cs typeface="DejaVu Sans" pitchFamily="0" charset="0"/>
+                <a:ea typeface="DejaVu Sans" charset="0"/>
+                <a:cs typeface="DejaVu Sans" charset="0"/>
               </a:defRPr>
             </a:pPr>
             <a:r>
@@ -14341,9 +14259,9 @@
                 <a:solidFill>
                   <a:srgbClr val="FFFFFF"/>
                 </a:solidFill>
-                <a:latin typeface="Montserrat" pitchFamily="0" charset="0"/>
-                <a:ea typeface="DejaVu Sans" pitchFamily="0" charset="0"/>
-                <a:cs typeface="DejaVu Sans" pitchFamily="0" charset="0"/>
+                <a:latin typeface="Montserrat" charset="0"/>
+                <a:ea typeface="DejaVu Sans" charset="0"/>
+                <a:cs typeface="DejaVu Sans" charset="0"/>
               </a:rPr>
               <a:t>Objetos Estáticos</a:t>
             </a:r>
@@ -14357,7 +14275,7 @@
           <p:cNvPicPr>
             <a:extLst>
               <a:ext uri="smNativeData">
-                <pr:smNativeData xmlns:pr="smNativeData" xmlns="smNativeData" val="SMDATA_17_q5OGZBMAAAAlAAAAEQAAAA0AAAAAkAAAAEgAAACQAAAASAAAAAAAAAAAAAAAAAAAAAEAAABQAAAAAAAAAAAA4D8AAAAAAADgPwAAAAAAAOA/AAAAAAAA4D8AAAAAAADgPwAAAAAAAOA/AAAAAAAA4D8AAAAAAADgPwAAAAAAAOA/AAAAAAAA4D8CAAAAjAAAAAAAAAAAAAAARHLEDP///wgAAAAAAAAAAAAAAAAAAAAAAAAAAAAAAAAAAAAAZAAAAAEAAABAAAAAAAAAAAAAAAAAAAAAAAAAAAAAAAAAAAAAAAAAAAAAAAAAAAAAAAAAAAAAAAAAAAAAAAAAAAAAAAAAAAAAAAAAAAAAAAAAAAAAAAAAAAAAAAAAAAAAFAAAADwAAAAAAAAAAAAAAAAAAAkUAAAAAQAAABQAAAAUAAAAFAAAAAEAAAAAAAAAZAAAAGQAAAAAAAAAZAAAAGQAAAAVAAAAYAAAAAAAAAAAAAAADwAAACADAAAAAAAAAAAAAAEAAACgMgAAVgcAAKr4//8BAAAAf39/AAEAAABkAAAAAAAAABQAAABAHwAAAAAAACYAAAAAAAAAwOD//wAAAAAmAAAAZAAAABYAAABMAAAAAAAAAAAAAAAEAAAAAAAAAAEAAADn5uYKAAAAACgAAAAoAAAAZAAAAGQAAAAAAAAAzMzMAAAAAABQAAAAUAAAAGQAAABkAAAAAAAAAAcAAAA4AAAAAAAAAAAAAAAAAAAA////AAAAAAAAAAAAAAAAAAAAAAAAAAAAAAAAAAAAAABkAAAAZAAAAAAAAAAjAAAABAAAAGQAAAAXAAAAFAAAAAAAAAAAAAAA/38AAP9/AAAAAAAACQAAAAQAAAAJAAAAHgAAAGgAAAAAAAAAAAAAAAAAAAAAAAAAAAAAABAnAAAQJwAAAAAAAAAAAAAAAAAAAAAAAAAAAAAAAAAAAAAAAAAAAAAUAAAAAAAAAMDA/wAAAAAAZAAAADIAAAAAAAAAZAAAAAAAAAB/f38ACgAAACIAAAAYAAAAAAAAAAAAAAAAAAAAAAAAAAAAAAAAAAAAJAAAACQAAAAAAAAABwAAAAAAAAAAAAAAAAAAAAAAAAAAAAAAAAAAAH9/fwAlAAAAWAAAAAAAAAAAAAAAAAAAAAAAAAAAAAAAAAAAAAAAAAAAAAAAAAAAAAAAAAAAAAAAPwAAAAAAAACghgEAAAAAAAAAAAAAAAAADAAAAAEAAAAAAAAAAAAAAAAAAAAfAAAAVAAAAERyxAX///8BAAAAAAAAAAAAAAAAAAAAAAAAAAAAAAAAAAAAAAAAAAAAAAACf39/AOfm5gPMzMwAwMD/AH9/fwAAAAAAAAAAAAAAAAD///8AAAAAACEAAAAYAAAAFAAAAMcOAACbBgAA4z0AACYpAAAQAAAAJgAAAAgAAAD//////////w=="/>
+                <pr:smNativeData xmlns="smNativeData" xmlns:pr="smNativeData" xmlns:p15="http://schemas.microsoft.com/office/powerpoint/2012/main" xmlns:p14="http://schemas.microsoft.com/office/powerpoint/2010/main" xmlns:mc="http://schemas.openxmlformats.org/markup-compatibility/2006" val="SMDATA_17_q5OGZBMAAAAlAAAAEQAAAA0AAAAAkAAAAEgAAACQAAAASAAAAAAAAAAAAAAAAAAAAAEAAABQAAAAAAAAAAAA4D8AAAAAAADgPwAAAAAAAOA/AAAAAAAA4D8AAAAAAADgPwAAAAAAAOA/AAAAAAAA4D8AAAAAAADgPwAAAAAAAOA/AAAAAAAA4D8CAAAAjAAAAAAAAAAAAAAARHLEDP///wgAAAAAAAAAAAAAAAAAAAAAAAAAAAAAAAAAAAAAZAAAAAEAAABAAAAAAAAAAAAAAAAAAAAAAAAAAAAAAAAAAAAAAAAAAAAAAAAAAAAAAAAAAAAAAAAAAAAAAAAAAAAAAAAAAAAAAAAAAAAAAAAAAAAAAAAAAAAAAAAAAAAAFAAAADwAAAAAAAAAAAAAAAAAAAkUAAAAAQAAABQAAAAUAAAAFAAAAAEAAAAAAAAAZAAAAGQAAAAAAAAAZAAAAGQAAAAVAAAAYAAAAAAAAAAAAAAADwAAACADAAAAAAAAAAAAAAEAAACgMgAAVgcAAKr4//8BAAAAf39/AAEAAABkAAAAAAAAABQAAABAHwAAAAAAACYAAAAAAAAAwOD//wAAAAAmAAAAZAAAABYAAABMAAAAAAAAAAAAAAAEAAAAAAAAAAEAAADn5uYKAAAAACgAAAAoAAAAZAAAAGQAAAAAAAAAzMzMAAAAAABQAAAAUAAAAGQAAABkAAAAAAAAAAcAAAA4AAAAAAAAAAAAAAAAAAAA////AAAAAAAAAAAAAAAAAAAAAAAAAAAAAAAAAAAAAABkAAAAZAAAAAAAAAAjAAAABAAAAGQAAAAXAAAAFAAAAAAAAAAAAAAA/38AAP9/AAAAAAAACQAAAAQAAAAJAAAAHgAAAGgAAAAAAAAAAAAAAAAAAAAAAAAAAAAAABAnAAAQJwAAAAAAAAAAAAAAAAAAAAAAAAAAAAAAAAAAAAAAAAAAAAAUAAAAAAAAAMDA/wAAAAAAZAAAADIAAAAAAAAAZAAAAAAAAAB/f38ACgAAACIAAAAYAAAAAAAAAAAAAAAAAAAAAAAAAAAAAAAAAAAAJAAAACQAAAAAAAAABwAAAAAAAAAAAAAAAAAAAAAAAAAAAAAAAAAAAH9/fwAlAAAAWAAAAAAAAAAAAAAAAAAAAAAAAAAAAAAAAAAAAAAAAAAAAAAAAAAAAAAAAAAAAAAAPwAAAAAAAACghgEAAAAAAAAAAAAAAAAADAAAAAEAAAAAAAAAAAAAAAAAAAAfAAAAVAAAAERyxAX///8BAAAAAAAAAAAAAAAAAAAAAAAAAAAAAAAAAAAAAAAAAAAAAAACf39/AOfm5gPMzMwAwMD/AH9/fwAAAAAAAAAAAAAAAAD///8AAAAAACEAAAAYAAAAFAAAAMcOAACbBgAA4z0AACYpAAAQAAAAJgAAAAgAAAD//////////w=="/>
               </a:ext>
             </a:extLst>
           </p:cNvPicPr>
@@ -14389,18 +14307,11 @@
   <p:clrMapOvr>
     <a:masterClrMapping/>
   </p:clrMapOvr>
-  <p:timing>
-    <p:tnLst>
-      <p:par>
-        <p:cTn id="1" dur="indefinite" restart="never" nodeType="tmRoot"/>
-      </p:par>
-    </p:tnLst>
-  </p:timing>
 </p:sld>
 </file>
 
 <file path=ppt/slides/slide22.xml><?xml version="1.0" encoding="utf-8"?>
-<p:sld xmlns:p="http://schemas.openxmlformats.org/presentationml/2006/main" xmlns:mc="http://schemas.openxmlformats.org/markup-compatibility/2006" xmlns:p14="http://schemas.microsoft.com/office/powerpoint/2010/main" xmlns:p15="http://schemas.microsoft.com/office/powerpoint/2012/main" xmlns:r="http://schemas.openxmlformats.org/officeDocument/2006/relationships" xmlns:a="http://schemas.openxmlformats.org/drawingml/2006/main" mc:Ignorable="p14">
+<p:sld xmlns:a="http://schemas.openxmlformats.org/drawingml/2006/main" xmlns:r="http://schemas.openxmlformats.org/officeDocument/2006/relationships" xmlns:p="http://schemas.openxmlformats.org/presentationml/2006/main">
   <p:cSld>
     <p:bg>
       <p:bgPr>
@@ -14430,7 +14341,7 @@
           <p:cNvSpPr>
             <a:extLst>
               <a:ext uri="smNativeData">
-                <pr:smNativeData xmlns:pr="smNativeData" xmlns="smNativeData" val="SMDATA_15_q5OGZBMAAAAlAAAAqgAAAA0AAAAAkAAAAEgAAACQAAAASAAAAAAAAAAAAAAAAAAAAAEAAABQAAAAda9fBcX/xz8AAAAAAADgPwAAAAAAAOA/AAAAAAAA4D8AAAAAAADgPwAAAAAAAOA/AAAAAAAA4D8AAAAAAADgPwAAAAAAAOA/AAAAAAAA4D8CAAAAjAAAAAEAAAAAAAAANEBQAP///wgAAAAAAAAAAAAAAAAAAAAAAAAAAAAAAAAAAAAAZAAAAAEAAABAAAAAAAAAAAAAAAAAAAAAAAAAAAAAAAAAAAAAAAAAAAAAAAAAAAAAAAAAAAAAAAAAAAAAAAAAAAAAAAAAAAAAAAAAAAAAAAAAAAAAAAAAAAAAAAAAAAAAFAAAADwAAAABAAAAAAAAAP///wgoAAAAAQAAABQAAAAUAAAAFAAAAAEAAAAAAAAAZAAAAGQAAAAAAAAAZAAAAGQAAAAVAAAAYAAAAAAAAAAAAAAADwAAACADAAAAAAAAAAAAAAEAAACgMgAAVgcAAKr4//8BAAAAf39/AAEAAABkAAAAAAAAABQAAABAHwAAAAAAACYAAAAAAAAAwOD//wAAAAAmAAAAZAAAABYAAABMAAAAAAAAAAAAAAAEAAAAAAAAAAEAAADn5uYKAAAAACgAAAAoAAAAZAAAAGQAAAAAAAAAzMzMAAAAAABQAAAAUAAAAGQAAABkAAAAAAAAABcAAAAUAAAAAAAAAAAAAAD/fwAA/38AAAAAAAAJAAAABAAAAP3///8eAAAAaAAAAAAAAAAAAAAAAAAAAAAAAAAAAAAAECcAABAnAAAAAAAAAAAAAAAAAAAAAAAAAAAAAAAAAAAAAAAAAAAAABQAAAAAAAAAwMD/AAAAAABkAAAAMgAAAAAAAABkAAAAAAAAAH9/fwAKAAAAIgAAABgAAAAAAAAAAAAAAAAAAAAAAAAAAAAAAAAAAAAkAAAAJAAAAAAAAAAHAAAAAAAAAAAAAAAAAAAAAAAAAAAAAAAAAAAAf39/ACUAAABYAAAAAAAAAAAAAAAAAAAAAAAAAAAAAAAAAAAAAAAAAAAAAAAAAAAAAAAAAAAAAAA/AAAAAAAAAKCGAQAAAAAAAAAAAAAAAAAMAAAAAQAAAAAAAAAAAAAAAAAAAB8AAABUAAAANEBQAP///wEAAAAAAAAAAAAAAAAAAAAAAAAAAAAAAAAAAAAAAAAAAP///wF/f38A5+bmA8zMzADAwP8Af39/AAAAAAAAAAAAAAAAAAAAAAAAAAAAIQAAABgAAAAUAAAAAQAAAAEAAAAASwAAMCoAABAAAAAmAAAACAAAAP//////////"/>
+                <pr:smNativeData xmlns="smNativeData" xmlns:pr="smNativeData" xmlns:p15="http://schemas.microsoft.com/office/powerpoint/2012/main" xmlns:p14="http://schemas.microsoft.com/office/powerpoint/2010/main" xmlns:mc="http://schemas.openxmlformats.org/markup-compatibility/2006" val="SMDATA_15_q5OGZBMAAAAlAAAAqgAAAA0AAAAAkAAAAEgAAACQAAAASAAAAAAAAAAAAAAAAAAAAAEAAABQAAAAda9fBcX/xz8AAAAAAADgPwAAAAAAAOA/AAAAAAAA4D8AAAAAAADgPwAAAAAAAOA/AAAAAAAA4D8AAAAAAADgPwAAAAAAAOA/AAAAAAAA4D8CAAAAjAAAAAEAAAAAAAAANEBQAP///wgAAAAAAAAAAAAAAAAAAAAAAAAAAAAAAAAAAAAAZAAAAAEAAABAAAAAAAAAAAAAAAAAAAAAAAAAAAAAAAAAAAAAAAAAAAAAAAAAAAAAAAAAAAAAAAAAAAAAAAAAAAAAAAAAAAAAAAAAAAAAAAAAAAAAAAAAAAAAAAAAAAAAFAAAADwAAAABAAAAAAAAAP///wgoAAAAAQAAABQAAAAUAAAAFAAAAAEAAAAAAAAAZAAAAGQAAAAAAAAAZAAAAGQAAAAVAAAAYAAAAAAAAAAAAAAADwAAACADAAAAAAAAAAAAAAEAAACgMgAAVgcAAKr4//8BAAAAf39/AAEAAABkAAAAAAAAABQAAABAHwAAAAAAACYAAAAAAAAAwOD//wAAAAAmAAAAZAAAABYAAABMAAAAAAAAAAAAAAAEAAAAAAAAAAEAAADn5uYKAAAAACgAAAAoAAAAZAAAAGQAAAAAAAAAzMzMAAAAAABQAAAAUAAAAGQAAABkAAAAAAAAABcAAAAUAAAAAAAAAAAAAAD/fwAA/38AAAAAAAAJAAAABAAAAP3///8eAAAAaAAAAAAAAAAAAAAAAAAAAAAAAAAAAAAAECcAABAnAAAAAAAAAAAAAAAAAAAAAAAAAAAAAAAAAAAAAAAAAAAAABQAAAAAAAAAwMD/AAAAAABkAAAAMgAAAAAAAABkAAAAAAAAAH9/fwAKAAAAIgAAABgAAAAAAAAAAAAAAAAAAAAAAAAAAAAAAAAAAAAkAAAAJAAAAAAAAAAHAAAAAAAAAAAAAAAAAAAAAAAAAAAAAAAAAAAAf39/ACUAAABYAAAAAAAAAAAAAAAAAAAAAAAAAAAAAAAAAAAAAAAAAAAAAAAAAAAAAAAAAAAAAAA/AAAAAAAAAKCGAQAAAAAAAAAAAAAAAAAMAAAAAQAAAAAAAAAAAAAAAAAAAB8AAABUAAAANEBQAP///wEAAAAAAAAAAAAAAAAAAAAAAAAAAAAAAAAAAAAAAAAAAP///wF/f38A5+bmA8zMzADAwP8Af39/AAAAAAAAAAAAAAAAAAAAAAAAAAAAIQAAABgAAAAUAAAAAQAAAAEAAAAASwAAMCoAABAAAAAmAAAACAAAAP//////////"/>
               </a:ext>
             </a:extLst>
           </p:cNvSpPr>
@@ -14466,7 +14377,7 @@
           <p:cNvSpPr>
             <a:extLst>
               <a:ext uri="smNativeData">
-                <pr:smNativeData xmlns:pr="smNativeData" xmlns="smNativeData" val="SMDATA_15_q5OGZBMAAAAlAAAAZAAAAA0AAAAAjgAAAEcAAACOAAAARwAAAAAAAAABAAAAAAAAAAEAAABQAAAAAAAAAAAA4D8AAAAAAADgPwAAAAAAAOA/AAAAAAAA4D8AAAAAAADgPwAAAAAAAOA/AAAAAAAA4D8AAAAAAADgPwAAAAAAAOA/AAAAAAAA4D8CAAAAjAAAAAEAAAAAAAAAIis1AP///wgAAAAAAAAAAAAAAAAAAAAAAAAAAAAAAAAAAAAAZAAAAAEAAABAAAAAAAAAAAAAAAAAAAAAAAAAAAAAAAAAAAAAAAAAAAAAAAAAAAAAAAAAAAAAAAAAAAAAAAAAAAAAAAAAAAAAAAAAAAAAAAAAAAAAAAAAAAAAAAAAAAAAFAAAADwAAAABAAAAAAAAAOfm5gooAAAAAQAAABQAAAAUAAAAFAAAAAEAAAAAAAAAZAAAAGQAAAAAAAAAZAAAAGQAAAAVAAAAYAAAAAAAAAAAAAAADwAAACADAAAAAAAAAAAAAAEAAACgMgAAVgcAAKr4//8BAAAAf39/AAEAAABkAAAAAAAAABQAAABAHwAAAAAAACYAAAAAAAAAwOD//wAAAAAmAAAAZAAAABYAAABMAAAAAAAAAAAAAAAEAAAAAAAAAAEAAADn5uYKAAAAACgAAAAoAAAAZAAAAGQAAAAAAAAAzMzMAAAAAABQAAAAUAAAAGQAAABkAAAAAAAAABcAAAAUAAAAAAAAAAAAAAD/fwAA/38AAAAAAAAJAAAABAAAAP7///8eAAAAaAAAAAAAAAAAAAAAAAAAAAAAAAAAAAAAECcAABAnAAAAAAAAAAAAAAAAAAAAAAAAAAAAAAAAAAAAAAAAAAAAABQAAAAAAAAAwMD/AAAAAABkAAAAMgAAAAAAAABkAAAAAAAAAH9/fwAKAAAAIgAAABgAAAAAAAAAAAAAAAAAAAAAAAAAAAAAAAAAAAAkAAAAJAAAAAAAAAAHAAAAAAAAAAAAAAAAAAAAAAAAAAAAAAAAAAAAf39/ACUAAABYAAAAAAAAAAAAAAAAAAAAAAAAAAAAAAAAAAAAAAAAAAAAAAAAAAAAAAAAAAAAAAA/AAAAAAAAAKCGAQAAAAAAAAAAAAAAAAAMAAAAAQAAAAAAAAAAAAAAAAAAAB8AAABUAAAAIis1AP///wEAAAAAAAAAAAAAAAAAAAAAAAAAAAAAAAAAAAAAAAAAAOfm5gN/f38A5+bmA8zMzADAwP8Af39/AAAAAAAAAAAAAAAAAAAAAAAAAAAAIQAAABgAAAAUAAAAbRQAAH4AAADoNgAAPQYAABAAAAAmAAAACAAAAP//////////"/>
+                <pr:smNativeData xmlns="smNativeData" xmlns:pr="smNativeData" xmlns:p15="http://schemas.microsoft.com/office/powerpoint/2012/main" xmlns:p14="http://schemas.microsoft.com/office/powerpoint/2010/main" xmlns:mc="http://schemas.openxmlformats.org/markup-compatibility/2006" val="SMDATA_15_q5OGZBMAAAAlAAAAZAAAAA0AAAAAjgAAAEcAAACOAAAARwAAAAAAAAABAAAAAAAAAAEAAABQAAAAAAAAAAAA4D8AAAAAAADgPwAAAAAAAOA/AAAAAAAA4D8AAAAAAADgPwAAAAAAAOA/AAAAAAAA4D8AAAAAAADgPwAAAAAAAOA/AAAAAAAA4D8CAAAAjAAAAAEAAAAAAAAAIis1AP///wgAAAAAAAAAAAAAAAAAAAAAAAAAAAAAAAAAAAAAZAAAAAEAAABAAAAAAAAAAAAAAAAAAAAAAAAAAAAAAAAAAAAAAAAAAAAAAAAAAAAAAAAAAAAAAAAAAAAAAAAAAAAAAAAAAAAAAAAAAAAAAAAAAAAAAAAAAAAAAAAAAAAAFAAAADwAAAABAAAAAAAAAOfm5gooAAAAAQAAABQAAAAUAAAAFAAAAAEAAAAAAAAAZAAAAGQAAAAAAAAAZAAAAGQAAAAVAAAAYAAAAAAAAAAAAAAADwAAACADAAAAAAAAAAAAAAEAAACgMgAAVgcAAKr4//8BAAAAf39/AAEAAABkAAAAAAAAABQAAABAHwAAAAAAACYAAAAAAAAAwOD//wAAAAAmAAAAZAAAABYAAABMAAAAAAAAAAAAAAAEAAAAAAAAAAEAAADn5uYKAAAAACgAAAAoAAAAZAAAAGQAAAAAAAAAzMzMAAAAAABQAAAAUAAAAGQAAABkAAAAAAAAABcAAAAUAAAAAAAAAAAAAAD/fwAA/38AAAAAAAAJAAAABAAAAP7///8eAAAAaAAAAAAAAAAAAAAAAAAAAAAAAAAAAAAAECcAABAnAAAAAAAAAAAAAAAAAAAAAAAAAAAAAAAAAAAAAAAAAAAAABQAAAAAAAAAwMD/AAAAAABkAAAAMgAAAAAAAABkAAAAAAAAAH9/fwAKAAAAIgAAABgAAAAAAAAAAAAAAAAAAAAAAAAAAAAAAAAAAAAkAAAAJAAAAAAAAAAHAAAAAAAAAAAAAAAAAAAAAAAAAAAAAAAAAAAAf39/ACUAAABYAAAAAAAAAAAAAAAAAAAAAAAAAAAAAAAAAAAAAAAAAAAAAAAAAAAAAAAAAAAAAAA/AAAAAAAAAKCGAQAAAAAAAAAAAAAAAAAMAAAAAQAAAAAAAAAAAAAAAAAAAB8AAABUAAAAIis1AP///wEAAAAAAAAAAAAAAAAAAAAAAAAAAAAAAAAAAAAAAAAAAOfm5gN/f38A5+bmA8zMzADAwP8Af39/AAAAAAAAAAAAAAAAAAAAAAAAAAAAIQAAABgAAAAUAAAAbRQAAH4AAADoNgAAPQYAABAAAAAmAAAACAAAAP//////////"/>
               </a:ext>
             </a:extLst>
           </p:cNvSpPr>
@@ -14503,8 +14414,8 @@
               </a:lnSpc>
               <a:defRPr lang="pt-br" cap="none">
                 <a:latin typeface="Arial" pitchFamily="2" charset="0"/>
-                <a:ea typeface="DejaVu Sans" pitchFamily="0" charset="0"/>
-                <a:cs typeface="DejaVu Sans" pitchFamily="0" charset="0"/>
+                <a:ea typeface="DejaVu Sans" charset="0"/>
+                <a:cs typeface="DejaVu Sans" charset="0"/>
               </a:defRPr>
             </a:pPr>
             <a:r>
@@ -14512,9 +14423,9 @@
                 <a:solidFill>
                   <a:srgbClr val="FFFFFF"/>
                 </a:solidFill>
-                <a:latin typeface="Montserrat" pitchFamily="0" charset="0"/>
-                <a:ea typeface="DejaVu Sans" pitchFamily="0" charset="0"/>
-                <a:cs typeface="DejaVu Sans" pitchFamily="0" charset="0"/>
+                <a:latin typeface="Montserrat" charset="0"/>
+                <a:ea typeface="DejaVu Sans" charset="0"/>
+                <a:cs typeface="DejaVu Sans" charset="0"/>
               </a:rPr>
               <a:t>Mão na massa</a:t>
             </a:r>
@@ -14528,7 +14439,7 @@
           <p:cNvSpPr>
             <a:extLst>
               <a:ext uri="smNativeData">
-                <pr:smNativeData xmlns:pr="smNativeData" xmlns="smNativeData" val="SMDATA_15_q5OGZBMAAAAlAAAAZAAAAA0AAAAAjgAAAEcAAACOAAAARwAAAAAAAAAAAAAAAAAAAAEAAABQAAAAAAAAAAAA4D8AAAAAAADgPwAAAAAAAOA/AAAAAAAA4D8AAAAAAADgPwAAAAAAAOA/AAAAAAAA4D8AAAAAAADgPwAAAAAAAOA/AAAAAAAA4D8CAAAAjAAAAAAAAAAAAAAARHLEDP///wgAAAAAAAAAAAAAAAAAAAAAAAAAAAAAAAAAAAAAZAAAAAEAAABAAAAAAAAAAAAAAAAAAAAAAAAAAAAAAAAAAAAAAAAAAAAAAAAAAAAAAAAAAAAAAAAAAAAAAAAAAAAAAAAAAAAAAAAAAAAAAAAAAAAAAAAAAAAAAAAAAAAAFAAAADwAAAAAAAAAAAAAAAAAAAkUAAAAAQAAABQAAAAUAAAAFAAAAAEAAAAAAAAAZAAAAGQAAAAAAAAAZAAAAGQAAAAVAAAAYAAAAAAAAAAAAAAADwAAACADAAAAAAAAAAAAAAEAAACgMgAAVgcAAKr4//8BAAAAf39/AAEAAABkAAAAAAAAABQAAABAHwAAAAAAACYAAAAAAAAAwOD//wAAAAAmAAAAZAAAABYAAABMAAAAAAAAAAAAAAAEAAAAAAAAAAEAAADn5uYKAAAAACgAAAAoAAAAZAAAAGQAAAAAAAAAzMzMAAAAAABQAAAAUAAAAGQAAABkAAAAAAAAABcAAAAUAAAAAAAAAAAAAAD/fwAA/38AAAAAAAAJAAAABAAAAPz///8eAAAAaAAAAAAAAAAAAAAAAAAAAAAAAAAAAAAAECcAABAnAAAAAAAAAAAAAAAAAAAAAAAAAAAAAAAAAAAAAAAAAAAAABQAAAAAAAAAwMD/AAAAAABkAAAAMgAAAAAAAABkAAAAAAAAAH9/fwAKAAAAIgAAABgAAAAAAAAAAAAAAAAAAAAAAAAAAAAAAAAAAAAkAAAAJAAAAAAAAAAHAAAAAAAAAAAAAAAAAAAAAAAAAAAAAAAAAAAAf39/ACUAAABYAAAAAAAAAAAAAAAAAAAAAAAAAAAAAAAAAAAAAAAAAAAAAAAAAAAAAAAAAAAAAAA/AAAAAAAAAKCGAQAAAAAAAAAAAAAAAAAMAAAAAQAAAAAAAAAAAAAAAAAAAB8AAABUAAAARHLEBf///wEAAAAAAAAAAAAAAAAAAAAAAAAAAAAAAAAAAAAAAAAAAAAAAAJ/f38A5+bmA8zMzADAwP8Af39/AAAAAAAAAAAAAAAAAAAAAAAAAAAAIQAAABgAAAAUAAAAaAMAANEHAACYRwAA6yYAABAAAAAmAAAACAAAAP//////////"/>
+                <pr:smNativeData xmlns="smNativeData" xmlns:pr="smNativeData" xmlns:p15="http://schemas.microsoft.com/office/powerpoint/2012/main" xmlns:p14="http://schemas.microsoft.com/office/powerpoint/2010/main" xmlns:mc="http://schemas.openxmlformats.org/markup-compatibility/2006" val="SMDATA_15_q5OGZBMAAAAlAAAAZAAAAA0AAAAAjgAAAEcAAACOAAAARwAAAAAAAAAAAAAAAAAAAAEAAABQAAAAAAAAAAAA4D8AAAAAAADgPwAAAAAAAOA/AAAAAAAA4D8AAAAAAADgPwAAAAAAAOA/AAAAAAAA4D8AAAAAAADgPwAAAAAAAOA/AAAAAAAA4D8CAAAAjAAAAAAAAAAAAAAARHLEDP///wgAAAAAAAAAAAAAAAAAAAAAAAAAAAAAAAAAAAAAZAAAAAEAAABAAAAAAAAAAAAAAAAAAAAAAAAAAAAAAAAAAAAAAAAAAAAAAAAAAAAAAAAAAAAAAAAAAAAAAAAAAAAAAAAAAAAAAAAAAAAAAAAAAAAAAAAAAAAAAAAAAAAAFAAAADwAAAAAAAAAAAAAAAAAAAkUAAAAAQAAABQAAAAUAAAAFAAAAAEAAAAAAAAAZAAAAGQAAAAAAAAAZAAAAGQAAAAVAAAAYAAAAAAAAAAAAAAADwAAACADAAAAAAAAAAAAAAEAAACgMgAAVgcAAKr4//8BAAAAf39/AAEAAABkAAAAAAAAABQAAABAHwAAAAAAACYAAAAAAAAAwOD//wAAAAAmAAAAZAAAABYAAABMAAAAAAAAAAAAAAAEAAAAAAAAAAEAAADn5uYKAAAAACgAAAAoAAAAZAAAAGQAAAAAAAAAzMzMAAAAAABQAAAAUAAAAGQAAABkAAAAAAAAABcAAAAUAAAAAAAAAAAAAAD/fwAA/38AAAAAAAAJAAAABAAAAPz///8eAAAAaAAAAAAAAAAAAAAAAAAAAAAAAAAAAAAAECcAABAnAAAAAAAAAAAAAAAAAAAAAAAAAAAAAAAAAAAAAAAAAAAAABQAAAAAAAAAwMD/AAAAAABkAAAAMgAAAAAAAABkAAAAAAAAAH9/fwAKAAAAIgAAABgAAAAAAAAAAAAAAAAAAAAAAAAAAAAAAAAAAAAkAAAAJAAAAAAAAAAHAAAAAAAAAAAAAAAAAAAAAAAAAAAAAAAAAAAAf39/ACUAAABYAAAAAAAAAAAAAAAAAAAAAAAAAAAAAAAAAAAAAAAAAAAAAAAAAAAAAAAAAAAAAAA/AAAAAAAAAKCGAQAAAAAAAAAAAAAAAAAMAAAAAQAAAAAAAAAAAAAAAAAAAB8AAABUAAAARHLEBf///wEAAAAAAAAAAAAAAAAAAAAAAAAAAAAAAAAAAAAAAAAAAAAAAAJ/f38A5+bmA8zMzADAwP8Af39/AAAAAAAAAAAAAAAAAAAAAAAAAAAAIQAAABgAAAAUAAAAaAMAANEHAACYRwAA6yYAABAAAAAmAAAACAAAAP//////////"/>
               </a:ext>
             </a:extLst>
           </p:cNvSpPr>
@@ -14563,11 +14474,6 @@
               </a:rPr>
               <a:t>Exercício 1: Criando uma classe básica</a:t>
             </a:r>
-            <a:endParaRPr lang="pt-br" sz="1600" cap="none">
-              <a:solidFill>
-                <a:schemeClr val="bg1"/>
-              </a:solidFill>
-            </a:endParaRPr>
           </a:p>
           <a:p>
             <a:pPr>
@@ -14581,11 +14487,6 @@
               </a:rPr>
               <a:t>Crie uma classe chamada Pessoa que tenha as propriedades nome e idade, </a:t>
             </a:r>
-            <a:endParaRPr lang="pt-br" sz="1600" cap="none">
-              <a:solidFill>
-                <a:schemeClr val="bg1"/>
-              </a:solidFill>
-            </a:endParaRPr>
           </a:p>
           <a:p>
             <a:pPr>
@@ -14599,11 +14500,6 @@
               </a:rPr>
               <a:t>e um método chamado apresentar que exiba no console uma mensagem com o nome e a idade da pessoa.</a:t>
             </a:r>
-            <a:endParaRPr lang="pt-br" sz="1600" cap="none">
-              <a:solidFill>
-                <a:schemeClr val="bg1"/>
-              </a:solidFill>
-            </a:endParaRPr>
           </a:p>
           <a:p>
             <a:pPr>
@@ -14627,11 +14523,6 @@
               </a:rPr>
               <a:t>Exercício 2: Herança</a:t>
             </a:r>
-            <a:endParaRPr lang="pt-br" sz="1600" cap="none">
-              <a:solidFill>
-                <a:schemeClr val="bg1"/>
-              </a:solidFill>
-            </a:endParaRPr>
           </a:p>
           <a:p>
             <a:pPr>
@@ -14645,11 +14536,6 @@
               </a:rPr>
               <a:t>Crie uma classe chamada Aluno que herde da classe Pessoa do exercício anterior. </a:t>
             </a:r>
-            <a:endParaRPr lang="pt-br" sz="1600" cap="none">
-              <a:solidFill>
-                <a:schemeClr val="bg1"/>
-              </a:solidFill>
-            </a:endParaRPr>
           </a:p>
           <a:p>
             <a:pPr>
@@ -14663,11 +14549,6 @@
               </a:rPr>
               <a:t>Adicione uma nova propriedade chamada matricula à classe Aluno e sobrescreva o método apresentar para exibir também a matrícula do aluno.</a:t>
             </a:r>
-            <a:endParaRPr lang="pt-br" sz="1600" cap="none">
-              <a:solidFill>
-                <a:schemeClr val="bg1"/>
-              </a:solidFill>
-            </a:endParaRPr>
           </a:p>
           <a:p>
             <a:pPr>
@@ -14691,11 +14572,6 @@
               </a:rPr>
               <a:t>Exercício 3: Encapsulamento</a:t>
             </a:r>
-            <a:endParaRPr lang="pt-br" sz="1600" cap="none">
-              <a:solidFill>
-                <a:schemeClr val="bg1"/>
-              </a:solidFill>
-            </a:endParaRPr>
           </a:p>
           <a:p>
             <a:pPr>
@@ -14709,11 +14585,6 @@
               </a:rPr>
               <a:t>Modifique a classe Pessoa do primeiro exercício para tornar as propriedades nome e idade privadas. </a:t>
             </a:r>
-            <a:endParaRPr lang="pt-br" sz="1600" cap="none">
-              <a:solidFill>
-                <a:schemeClr val="bg1"/>
-              </a:solidFill>
-            </a:endParaRPr>
           </a:p>
           <a:p>
             <a:pPr>
@@ -14727,11 +14598,6 @@
               </a:rPr>
               <a:t>Crie métodos getter e setter para acessar e modificar essas propriedades.</a:t>
             </a:r>
-            <a:endParaRPr lang="pt-br" sz="1600" cap="none">
-              <a:solidFill>
-                <a:schemeClr val="bg1"/>
-              </a:solidFill>
-            </a:endParaRPr>
           </a:p>
           <a:p>
             <a:pPr>
@@ -14755,11 +14621,6 @@
               </a:rPr>
               <a:t>Exercício 4: Polimorfismo</a:t>
             </a:r>
-            <a:endParaRPr lang="pt-br" sz="1600" cap="none">
-              <a:solidFill>
-                <a:schemeClr val="bg1"/>
-              </a:solidFill>
-            </a:endParaRPr>
           </a:p>
           <a:p>
             <a:pPr>
@@ -14773,11 +14634,6 @@
               </a:rPr>
               <a:t>Crie uma classe chamada Animal que tenha um método chamado emitirSom. </a:t>
             </a:r>
-            <a:endParaRPr lang="pt-br" sz="1600" cap="none">
-              <a:solidFill>
-                <a:schemeClr val="bg1"/>
-              </a:solidFill>
-            </a:endParaRPr>
           </a:p>
           <a:p>
             <a:pPr>
@@ -14791,11 +14647,6 @@
               </a:rPr>
               <a:t>Em seguida, crie classes derivadas de Animal chamadas Cachorro e Gato, que sobrescrevam o método emitirSom para exibir "Au au!" e "Miau!" respectivamente.</a:t>
             </a:r>
-            <a:endParaRPr lang="pt-br" sz="1600" cap="none">
-              <a:solidFill>
-                <a:schemeClr val="bg1"/>
-              </a:solidFill>
-            </a:endParaRPr>
           </a:p>
           <a:p>
             <a:pPr>
@@ -14819,11 +14670,6 @@
               </a:rPr>
               <a:t>Exercício 5: Abstração</a:t>
             </a:r>
-            <a:endParaRPr lang="pt-br" sz="1600" cap="none">
-              <a:solidFill>
-                <a:schemeClr val="bg1"/>
-              </a:solidFill>
-            </a:endParaRPr>
           </a:p>
           <a:p>
             <a:pPr>
@@ -14837,11 +14683,6 @@
               </a:rPr>
               <a:t>Crie uma classe chamada Forma com um método chamado calcularArea. </a:t>
             </a:r>
-            <a:endParaRPr lang="pt-br" sz="1600" cap="none">
-              <a:solidFill>
-                <a:schemeClr val="bg1"/>
-              </a:solidFill>
-            </a:endParaRPr>
           </a:p>
           <a:p>
             <a:pPr>
@@ -14855,11 +14696,6 @@
               </a:rPr>
               <a:t>Em seguida, crie classes derivadas de Forma chamadas Retangulo e Circulo, </a:t>
             </a:r>
-            <a:endParaRPr lang="pt-br" sz="1600" cap="none">
-              <a:solidFill>
-                <a:schemeClr val="bg1"/>
-              </a:solidFill>
-            </a:endParaRPr>
           </a:p>
           <a:p>
             <a:pPr>
@@ -14873,11 +14709,6 @@
               </a:rPr>
               <a:t>que implementem o método calcularArea para calcular a área de um retângulo e de um círculo respectivamente.</a:t>
             </a:r>
-            <a:endParaRPr lang="pt-br" sz="1600" cap="none">
-              <a:solidFill>
-                <a:schemeClr val="bg1"/>
-              </a:solidFill>
-            </a:endParaRPr>
           </a:p>
         </p:txBody>
       </p:sp>
@@ -14886,18 +14717,11 @@
   <p:clrMapOvr>
     <a:masterClrMapping/>
   </p:clrMapOvr>
-  <p:timing>
-    <p:tnLst>
-      <p:par>
-        <p:cTn id="1" dur="indefinite" restart="never" nodeType="tmRoot"/>
-      </p:par>
-    </p:tnLst>
-  </p:timing>
 </p:sld>
 </file>
 
 <file path=ppt/slides/slide23.xml><?xml version="1.0" encoding="utf-8"?>
-<p:sld xmlns:p="http://schemas.openxmlformats.org/presentationml/2006/main" xmlns:mc="http://schemas.openxmlformats.org/markup-compatibility/2006" xmlns:p14="http://schemas.microsoft.com/office/powerpoint/2010/main" xmlns:p15="http://schemas.microsoft.com/office/powerpoint/2012/main" xmlns:r="http://schemas.openxmlformats.org/officeDocument/2006/relationships" xmlns:a="http://schemas.openxmlformats.org/drawingml/2006/main" mc:Ignorable="p14">
+<p:sld xmlns:a="http://schemas.openxmlformats.org/drawingml/2006/main" xmlns:r="http://schemas.openxmlformats.org/officeDocument/2006/relationships" xmlns:p="http://schemas.openxmlformats.org/presentationml/2006/main">
   <p:cSld>
     <p:bg>
       <p:bgPr>
@@ -14927,7 +14751,7 @@
           <p:cNvSpPr>
             <a:extLst>
               <a:ext uri="smNativeData">
-                <pr:smNativeData xmlns:pr="smNativeData" xmlns="smNativeData" val="SMDATA_15_q5OGZBMAAAAlAAAAqgAAAA0AAAAAkAAAAEgAAACQAAAASAAAAAAAAAAAAAAAAAAAAAEAAABQAAAAda9fBcX/xz8AAAAAAADgPwAAAAAAAOA/AAAAAAAA4D8AAAAAAADgPwAAAAAAAOA/AAAAAAAA4D8AAAAAAADgPwAAAAAAAOA/AAAAAAAA4D8CAAAAjAAAAAEAAAAAAAAANEBQAP///wgAAAAAAAAAAAAAAAAAAAAAAAAAAAAAAAAAAAAAZAAAAAEAAABAAAAAAAAAAAAAAAAAAAAAAAAAAAAAAAAAAAAAAAAAAAAAAAAAAAAAAAAAAAAAAAAAAAAAAAAAAAAAAAAAAAAAAAAAAAAAAAAAAAAAAAAAAAAAAAAAAAAAFAAAADwAAAABAAAAAAAAAP///wgoAAAAAQAAABQAAAAUAAAAFAAAAAEAAAAAAAAAZAAAAGQAAAAAAAAAZAAAAGQAAAAVAAAAYAAAAAAAAAAAAAAADwAAACADAAAAAAAAAAAAAAEAAACgMgAAVgcAAKr4//8BAAAAf39/AAEAAABkAAAAAAAAABQAAABAHwAAAAAAACYAAAAAAAAAwOD//wAAAAAmAAAAZAAAABYAAABMAAAAAAAAAAAAAAAEAAAAAAAAAAEAAADn5uYKAAAAACgAAAAoAAAAZAAAAGQAAAAAAAAAzMzMAAAAAABQAAAAUAAAAGQAAABkAAAAAAAAABcAAAAUAAAAAAAAAAAAAAD/fwAA/38AAAAAAAAJAAAABAAAAPz///8eAAAAaAAAAAAAAAAAAAAAAAAAAAAAAAAAAAAAECcAABAnAAAAAAAAAAAAAAAAAAAAAAAAAAAAAAAAAAAAAAAAAAAAABQAAAAAAAAAwMD/AAAAAABkAAAAMgAAAAAAAABkAAAAAAAAAH9/fwAKAAAAIgAAABgAAAAAAAAAAAAAAAAAAAAAAAAAAAAAAAAAAAAkAAAAJAAAAAAAAAAHAAAAAAAAAAAAAAAAAAAAAAAAAAAAAAAAAAAAf39/ACUAAABYAAAAAAAAAAAAAAAAAAAAAAAAAAAAAAAAAAAAAAAAAAAAAAAAAAAAAAAAAAAAAAA/AAAAAAAAAKCGAQAAAAAAAAAAAAAAAAAMAAAAAQAAAAAAAAAAAAAAAAAAAB8AAABUAAAANEBQAP///wEAAAAAAAAAAAAAAAAAAAAAAAAAAAAAAAAAAAAAAAAAAP///wF/f38A5+bmA8zMzADAwP8Af39/AAAAAAAAAAAAAAAAAAAAAAAAAAAAIQAAABgAAAAUAAAAAQAAAAEAAAAASwAAMCoAABAAAAAmAAAACAAAAP//////////"/>
+                <pr:smNativeData xmlns="smNativeData" xmlns:pr="smNativeData" xmlns:p15="http://schemas.microsoft.com/office/powerpoint/2012/main" xmlns:p14="http://schemas.microsoft.com/office/powerpoint/2010/main" xmlns:mc="http://schemas.openxmlformats.org/markup-compatibility/2006" val="SMDATA_15_q5OGZBMAAAAlAAAAqgAAAA0AAAAAkAAAAEgAAACQAAAASAAAAAAAAAAAAAAAAAAAAAEAAABQAAAAda9fBcX/xz8AAAAAAADgPwAAAAAAAOA/AAAAAAAA4D8AAAAAAADgPwAAAAAAAOA/AAAAAAAA4D8AAAAAAADgPwAAAAAAAOA/AAAAAAAA4D8CAAAAjAAAAAEAAAAAAAAANEBQAP///wgAAAAAAAAAAAAAAAAAAAAAAAAAAAAAAAAAAAAAZAAAAAEAAABAAAAAAAAAAAAAAAAAAAAAAAAAAAAAAAAAAAAAAAAAAAAAAAAAAAAAAAAAAAAAAAAAAAAAAAAAAAAAAAAAAAAAAAAAAAAAAAAAAAAAAAAAAAAAAAAAAAAAFAAAADwAAAABAAAAAAAAAP///wgoAAAAAQAAABQAAAAUAAAAFAAAAAEAAAAAAAAAZAAAAGQAAAAAAAAAZAAAAGQAAAAVAAAAYAAAAAAAAAAAAAAADwAAACADAAAAAAAAAAAAAAEAAACgMgAAVgcAAKr4//8BAAAAf39/AAEAAABkAAAAAAAAABQAAABAHwAAAAAAACYAAAAAAAAAwOD//wAAAAAmAAAAZAAAABYAAABMAAAAAAAAAAAAAAAEAAAAAAAAAAEAAADn5uYKAAAAACgAAAAoAAAAZAAAAGQAAAAAAAAAzMzMAAAAAABQAAAAUAAAAGQAAABkAAAAAAAAABcAAAAUAAAAAAAAAAAAAAD/fwAA/38AAAAAAAAJAAAABAAAAPz///8eAAAAaAAAAAAAAAAAAAAAAAAAAAAAAAAAAAAAECcAABAnAAAAAAAAAAAAAAAAAAAAAAAAAAAAAAAAAAAAAAAAAAAAABQAAAAAAAAAwMD/AAAAAABkAAAAMgAAAAAAAABkAAAAAAAAAH9/fwAKAAAAIgAAABgAAAAAAAAAAAAAAAAAAAAAAAAAAAAAAAAAAAAkAAAAJAAAAAAAAAAHAAAAAAAAAAAAAAAAAAAAAAAAAAAAAAAAAAAAf39/ACUAAABYAAAAAAAAAAAAAAAAAAAAAAAAAAAAAAAAAAAAAAAAAAAAAAAAAAAAAAAAAAAAAAA/AAAAAAAAAKCGAQAAAAAAAAAAAAAAAAAMAAAAAQAAAAAAAAAAAAAAAAAAAB8AAABUAAAANEBQAP///wEAAAAAAAAAAAAAAAAAAAAAAAAAAAAAAAAAAAAAAAAAAP///wF/f38A5+bmA8zMzADAwP8Af39/AAAAAAAAAAAAAAAAAAAAAAAAAAAAIQAAABgAAAAUAAAAAQAAAAEAAAAASwAAMCoAABAAAAAmAAAACAAAAP//////////"/>
               </a:ext>
             </a:extLst>
           </p:cNvSpPr>
@@ -14963,7 +14787,7 @@
           <p:cNvSpPr>
             <a:extLst>
               <a:ext uri="smNativeData">
-                <pr:smNativeData xmlns:pr="smNativeData" xmlns="smNativeData" val="SMDATA_15_q5OGZBMAAAAlAAAAZAAAAA0AAAAAjgAAAEcAAACOAAAARwAAAAAAAAABAAAAAAAAAAEAAABQAAAAAAAAAAAA4D8AAAAAAADgPwAAAAAAAOA/AAAAAAAA4D8AAAAAAADgPwAAAAAAAOA/AAAAAAAA4D8AAAAAAADgPwAAAAAAAOA/AAAAAAAA4D8CAAAAjAAAAAEAAAAAAAAAIis1AP///wgAAAAAAAAAAAAAAAAAAAAAAAAAAAAAAAAAAAAAZAAAAAEAAABAAAAAAAAAAAAAAAAAAAAAAAAAAAAAAAAAAAAAAAAAAAAAAAAAAAAAAAAAAAAAAAAAAAAAAAAAAAAAAAAAAAAAAAAAAAAAAAAAAAAAAAAAAAAAAAAAAAAAFAAAADwAAAABAAAAAAAAAOfm5gooAAAAAQAAABQAAAAUAAAAFAAAAAEAAAAAAAAAZAAAAGQAAAAAAAAAZAAAAGQAAAAVAAAAYAAAAAAAAAAAAAAADwAAACADAAAAAAAAAAAAAAEAAACgMgAAVgcAAKr4//8BAAAAf39/AAEAAABkAAAAAAAAABQAAABAHwAAAAAAACYAAAAAAAAAwOD//wAAAAAmAAAAZAAAABYAAABMAAAAAAAAAAAAAAAEAAAAAAAAAAEAAADn5uYKAAAAACgAAAAoAAAAZAAAAGQAAAAAAAAAzMzMAAAAAABQAAAAUAAAAGQAAABkAAAAAAAAABcAAAAUAAAAAAAAAAAAAAD/fwAA/38AAAAAAAAJAAAABAAAAP7///8eAAAAaAAAAAAAAAAAAAAAAAAAAAAAAAAAAAAAECcAABAnAAAAAAAAAAAAAAAAAAAAAAAAAAAAAAAAAAAAAAAAAAAAABQAAAAAAAAAwMD/AAAAAABkAAAAMgAAAAAAAABkAAAAAAAAAH9/fwAKAAAAIgAAABgAAAAAAAAAAAAAAAAAAAAAAAAAAAAAAAAAAAAkAAAAJAAAAAAAAAAHAAAAAAAAAAAAAAAAAAAAAAAAAAAAAAAAAAAAf39/ACUAAABYAAAAAAAAAAAAAAAAAAAAAAAAAAAAAAAAAAAAAAAAAAAAAAAAAAAAAAAAAAAAAAA/AAAAAAAAAKCGAQAAAAAAAAAAAAAAAAAMAAAAAQAAAAAAAAAAAAAAAAAAAB8AAABUAAAAIis1AP///wEAAAAAAAAAAAAAAAAAAAAAAAAAAAAAAAAAAAAAAAAAAOfm5gN/f38A5+bmA8zMzADAwP8Af39/AAAAAAAAAAAAAAAAAAAAAAAAAAAAIQAAABgAAAAUAAAAbRQAAH4AAADoNgAAPQYAABAAAAAmAAAACAAAAP//////////"/>
+                <pr:smNativeData xmlns="smNativeData" xmlns:pr="smNativeData" xmlns:p15="http://schemas.microsoft.com/office/powerpoint/2012/main" xmlns:p14="http://schemas.microsoft.com/office/powerpoint/2010/main" xmlns:mc="http://schemas.openxmlformats.org/markup-compatibility/2006" val="SMDATA_15_q5OGZBMAAAAlAAAAZAAAAA0AAAAAjgAAAEcAAACOAAAARwAAAAAAAAABAAAAAAAAAAEAAABQAAAAAAAAAAAA4D8AAAAAAADgPwAAAAAAAOA/AAAAAAAA4D8AAAAAAADgPwAAAAAAAOA/AAAAAAAA4D8AAAAAAADgPwAAAAAAAOA/AAAAAAAA4D8CAAAAjAAAAAEAAAAAAAAAIis1AP///wgAAAAAAAAAAAAAAAAAAAAAAAAAAAAAAAAAAAAAZAAAAAEAAABAAAAAAAAAAAAAAAAAAAAAAAAAAAAAAAAAAAAAAAAAAAAAAAAAAAAAAAAAAAAAAAAAAAAAAAAAAAAAAAAAAAAAAAAAAAAAAAAAAAAAAAAAAAAAAAAAAAAAFAAAADwAAAABAAAAAAAAAOfm5gooAAAAAQAAABQAAAAUAAAAFAAAAAEAAAAAAAAAZAAAAGQAAAAAAAAAZAAAAGQAAAAVAAAAYAAAAAAAAAAAAAAADwAAACADAAAAAAAAAAAAAAEAAACgMgAAVgcAAKr4//8BAAAAf39/AAEAAABkAAAAAAAAABQAAABAHwAAAAAAACYAAAAAAAAAwOD//wAAAAAmAAAAZAAAABYAAABMAAAAAAAAAAAAAAAEAAAAAAAAAAEAAADn5uYKAAAAACgAAAAoAAAAZAAAAGQAAAAAAAAAzMzMAAAAAABQAAAAUAAAAGQAAABkAAAAAAAAABcAAAAUAAAAAAAAAAAAAAD/fwAA/38AAAAAAAAJAAAABAAAAP7///8eAAAAaAAAAAAAAAAAAAAAAAAAAAAAAAAAAAAAECcAABAnAAAAAAAAAAAAAAAAAAAAAAAAAAAAAAAAAAAAAAAAAAAAABQAAAAAAAAAwMD/AAAAAABkAAAAMgAAAAAAAABkAAAAAAAAAH9/fwAKAAAAIgAAABgAAAAAAAAAAAAAAAAAAAAAAAAAAAAAAAAAAAAkAAAAJAAAAAAAAAAHAAAAAAAAAAAAAAAAAAAAAAAAAAAAAAAAAAAAf39/ACUAAABYAAAAAAAAAAAAAAAAAAAAAAAAAAAAAAAAAAAAAAAAAAAAAAAAAAAAAAAAAAAAAAA/AAAAAAAAAKCGAQAAAAAAAAAAAAAAAAAMAAAAAQAAAAAAAAAAAAAAAAAAAB8AAABUAAAAIis1AP///wEAAAAAAAAAAAAAAAAAAAAAAAAAAAAAAAAAAAAAAAAAAOfm5gN/f38A5+bmA8zMzADAwP8Af39/AAAAAAAAAAAAAAAAAAAAAAAAAAAAIQAAABgAAAAUAAAAbRQAAH4AAADoNgAAPQYAABAAAAAmAAAACAAAAP//////////"/>
               </a:ext>
             </a:extLst>
           </p:cNvSpPr>
@@ -15000,8 +14824,8 @@
               </a:lnSpc>
               <a:defRPr lang="pt-br" cap="none">
                 <a:latin typeface="Arial" pitchFamily="2" charset="0"/>
-                <a:ea typeface="DejaVu Sans" pitchFamily="0" charset="0"/>
-                <a:cs typeface="DejaVu Sans" pitchFamily="0" charset="0"/>
+                <a:ea typeface="DejaVu Sans" charset="0"/>
+                <a:cs typeface="DejaVu Sans" charset="0"/>
               </a:defRPr>
             </a:pPr>
             <a:r>
@@ -15009,9 +14833,9 @@
                 <a:solidFill>
                   <a:srgbClr val="FFFFFF"/>
                 </a:solidFill>
-                <a:latin typeface="Montserrat" pitchFamily="0" charset="0"/>
-                <a:ea typeface="DejaVu Sans" pitchFamily="0" charset="0"/>
-                <a:cs typeface="DejaVu Sans" pitchFamily="0" charset="0"/>
+                <a:latin typeface="Montserrat" charset="0"/>
+                <a:ea typeface="DejaVu Sans" charset="0"/>
+                <a:cs typeface="DejaVu Sans" charset="0"/>
               </a:rPr>
               <a:t>Mão na massa</a:t>
             </a:r>
@@ -15025,7 +14849,7 @@
           <p:cNvPicPr>
             <a:extLst>
               <a:ext uri="smNativeData">
-                <pr:smNativeData xmlns:pr="smNativeData" xmlns="smNativeData" val="SMDATA_17_q5OGZBMAAAAlAAAAEQAAAA0AAAAAkAAAAEgAAACQAAAASAAAAAAAAAAAAAAAAAAAAAEAAABQAAAAAAAAAAAA4D8AAAAAAADgPwAAAAAAAOA/AAAAAAAA4D8AAAAAAADgPwAAAAAAAOA/AAAAAAAA4D8AAAAAAADgPwAAAAAAAOA/AAAAAAAA4D8CAAAAjAAAAAAAAAAAAAAARHLEDP///wgAAAAAAAAAAAAAAAAAAAAAAAAAAAAAAAAAAAAAZAAAAAEAAABAAAAAAAAAAAAAAAAAAAAAAAAAAAAAAAAAAAAAAAAAAAAAAAAAAAAAAAAAAAAAAAAAAAAAAAAAAAAAAAAAAAAAAAAAAAAAAAAAAAAAAAAAAAAAAAAAAAAAFAAAADwAAAAAAAAAAAAAAAAAAAkUAAAAAQAAABQAAAAUAAAAFAAAAAEAAAAAAAAAZAAAAGQAAAAAAAAAZAAAAGQAAAAVAAAAYAAAAAAAAAAAAAAADwAAACADAAAAAAAAAAAAAAEAAACgMgAAVgcAAKr4//8BAAAAf39/AAEAAABkAAAAAAAAABQAAABAHwAAAAAAACYAAAAAAAAAwOD//wAAAAAmAAAAZAAAABYAAABMAAAAAAAAAAAAAAAEAAAAAAAAAAEAAADn5uYKAAAAACgAAAAoAAAAZAAAAGQAAAAAAAAAzMzMAAAAAABQAAAAUAAAAGQAAABkAAAAAAAAAAcAAAA4AAAAAAAAAAAAAAAAAAAA////AAAAAAAAAAAAAAAAAAAAAAAAAAAAAAAAAAAAAABkAAAAZAAAAAAAAAAjAAAABAAAAGQAAAAXAAAAFAAAAAAAAAAAAAAA/38AAP9/AAAAAAAACQAAAAQAAAABAAAAHgAAAGgAAAAAAAAAAAAAAAAAAAAAAAAAAAAAABAnAAAQJwAAAAAAAAAAAAAAAAAAAAAAAAAAAAAAAAAAAAAAAAAAAAAUAAAAAAAAAMDA/wAAAAAAZAAAADIAAAAAAAAAZAAAAAAAAAB/f38ACgAAACIAAAAYAAAAAAAAAAAAAAAAAAAAAAAAAAAAAAAAAAAAJAAAACQAAAAAAAAABwAAAAAAAAAAAAAAAAAAAAAAAAAAAAAAAAAAAH9/fwAlAAAAWAAAAAAAAAAAAAAAAAAAAAAAAAAAAAAAAAAAAAAAAAAAAAAAAAAAAAAAAAAAAAAAPwAAAAAAAACghgEAAAAAAAAAAAAAAAAADAAAAAEAAAAAAAAAAAAAAAAAAAAfAAAAVAAAAERyxAX///8BAAAAAAAAAAAAAAAAAAAAAAAAAAAAAAAAAAAAAAAAAAAAAAACf39/AOfm5gPMzMwAwMD/AH9/fwAAAAAAAAAAAAAAAAD///8AAAAAACEAAAAYAAAAFAAAABgVAAAQDwAAfTYAAMAhAAAQAAAAJgAAAAgAAAD//////////w=="/>
+                <pr:smNativeData xmlns="smNativeData" xmlns:pr="smNativeData" xmlns:p15="http://schemas.microsoft.com/office/powerpoint/2012/main" xmlns:p14="http://schemas.microsoft.com/office/powerpoint/2010/main" xmlns:mc="http://schemas.openxmlformats.org/markup-compatibility/2006" val="SMDATA_17_q5OGZBMAAAAlAAAAEQAAAA0AAAAAkAAAAEgAAACQAAAASAAAAAAAAAAAAAAAAAAAAAEAAABQAAAAAAAAAAAA4D8AAAAAAADgPwAAAAAAAOA/AAAAAAAA4D8AAAAAAADgPwAAAAAAAOA/AAAAAAAA4D8AAAAAAADgPwAAAAAAAOA/AAAAAAAA4D8CAAAAjAAAAAAAAAAAAAAARHLEDP///wgAAAAAAAAAAAAAAAAAAAAAAAAAAAAAAAAAAAAAZAAAAAEAAABAAAAAAAAAAAAAAAAAAAAAAAAAAAAAAAAAAAAAAAAAAAAAAAAAAAAAAAAAAAAAAAAAAAAAAAAAAAAAAAAAAAAAAAAAAAAAAAAAAAAAAAAAAAAAAAAAAAAAFAAAADwAAAAAAAAAAAAAAAAAAAkUAAAAAQAAABQAAAAUAAAAFAAAAAEAAAAAAAAAZAAAAGQAAAAAAAAAZAAAAGQAAAAVAAAAYAAAAAAAAAAAAAAADwAAACADAAAAAAAAAAAAAAEAAACgMgAAVgcAAKr4//8BAAAAf39/AAEAAABkAAAAAAAAABQAAABAHwAAAAAAACYAAAAAAAAAwOD//wAAAAAmAAAAZAAAABYAAABMAAAAAAAAAAAAAAAEAAAAAAAAAAEAAADn5uYKAAAAACgAAAAoAAAAZAAAAGQAAAAAAAAAzMzMAAAAAABQAAAAUAAAAGQAAABkAAAAAAAAAAcAAAA4AAAAAAAAAAAAAAAAAAAA////AAAAAAAAAAAAAAAAAAAAAAAAAAAAAAAAAAAAAABkAAAAZAAAAAAAAAAjAAAABAAAAGQAAAAXAAAAFAAAAAAAAAAAAAAA/38AAP9/AAAAAAAACQAAAAQAAAABAAAAHgAAAGgAAAAAAAAAAAAAAAAAAAAAAAAAAAAAABAnAAAQJwAAAAAAAAAAAAAAAAAAAAAAAAAAAAAAAAAAAAAAAAAAAAAUAAAAAAAAAMDA/wAAAAAAZAAAADIAAAAAAAAAZAAAAAAAAAB/f38ACgAAACIAAAAYAAAAAAAAAAAAAAAAAAAAAAAAAAAAAAAAAAAAJAAAACQAAAAAAAAABwAAAAAAAAAAAAAAAAAAAAAAAAAAAAAAAAAAAH9/fwAlAAAAWAAAAAAAAAAAAAAAAAAAAAAAAAAAAAAAAAAAAAAAAAAAAAAAAAAAAAAAAAAAAAAAPwAAAAAAAACghgEAAAAAAAAAAAAAAAAADAAAAAEAAAAAAAAAAAAAAAAAAAAfAAAAVAAAAERyxAX///8BAAAAAAAAAAAAAAAAAAAAAAAAAAAAAAAAAAAAAAAAAAAAAAACf39/AOfm5gPMzMwAwMD/AH9/fwAAAAAAAAAAAAAAAAD///8AAAAAACEAAAAYAAAAFAAAABgVAAAQDwAAfTYAAMAhAAAQAAAAJgAAAAgAAAD//////////w=="/>
               </a:ext>
             </a:extLst>
           </p:cNvPicPr>
@@ -15058,7 +14882,7 @@
           <p:cNvSpPr>
             <a:extLst>
               <a:ext uri="smNativeData">
-                <pr:smNativeData xmlns:pr="smNativeData" xmlns="smNativeData" val="SMDATA_15_q5OGZBMAAAAlAAAAZAAAAA0AAAAAjgAAAEcAAACOAAAARwAAAAAAAAAAAAAAAAAAAAEAAABQAAAAAAAAAAAA4D8AAAAAAADgPwAAAAAAAOA/AAAAAAAA4D8AAAAAAADgPwAAAAAAAOA/AAAAAAAA4D8AAAAAAADgPwAAAAAAAOA/AAAAAAAA4D8CAAAAjAAAAAAAAAAAAAAARHLEDP///wgAAAAAAAAAAAAAAAAAAAAAAAAAAAAAAAAAAAAAZAAAAAEAAABAAAAAAAAAAAAAAAAAAAAAAAAAAAAAAAAAAAAAAAAAAAAAAAAAAAAAAAAAAAAAAAAAAAAAAAAAAAAAAAAAAAAAAAAAAAAAAAAAAAAAAAAAAAAAAAAAAAAAFAAAADwAAAAAAAAAAAAAAAAAAAkUAAAAAQAAABQAAAAUAAAAFAAAAAEAAAAAAAAAZAAAAGQAAAAAAAAAZAAAAGQAAAAVAAAAYAAAAAAAAAAAAAAADwAAACADAAAAAAAAAAAAAAEAAACgMgAAVgcAAKr4//8BAAAAf39/AAEAAABkAAAAAAAAABQAAABAHwAAAAAAACYAAAAAAAAAwOD//wAAAAAmAAAAZAAAABYAAABMAAAAAAAAAAAAAAAEAAAAAAAAAAEAAADn5uYKAAAAACgAAAAoAAAAZAAAAGQAAAAAAAAAzMzMAAAAAABQAAAAUAAAAGQAAABkAAAAAAAAABcAAAAUAAAAAAAAAAAAAAD/fwAA/38AAAAAAAAJAAAABAAAAPz///8eAAAAaAAAAAAAAAAAAAAAAAAAAAAAAAAAAAAAECcAABAnAAAAAAAAAAAAAAAAAAAAAAAAAAAAAAAAAAAAAAAAAAAAABQAAAAAAAAAwMD/AAAAAABkAAAAMgAAAAAAAABkAAAAAAAAAH9/fwAKAAAAIgAAABgAAAAAAAAAAAAAAAAAAAAAAAAAAAAAAAAAAAAkAAAAJAAAAAAAAAAHAAAAAAAAAAAAAAAAAAAAAAAAAAAAAAAAAAAAf39/ACUAAABYAAAAAAAAAAAAAAAAAAAAAAAAAAAAAAAAAAAAAAAAAAAAAAAAAAAAAAAAAAAAAAA/AAAAAAAAAKCGAQAAAAAAAAAAAAAAAAAMAAAAAQAAAAAAAAAAAAAAAAAAAB8AAABUAAAARHLEBf///wEAAAAAAAAAAAAAAAAAAAAAAAAAAAAAAAAAAAAAAAAAAAAAAAJ/f38A5+bmA8zMzADAwP8Af39/AAAAAAAAAAAAAAAAAAAAAAAAAAAAIQAAABgAAAAUAAAAlwIAAMgIAAC4RwAAEA4AABAAAAAmAAAACAAAAP//////////"/>
+                <pr:smNativeData xmlns="smNativeData" xmlns:pr="smNativeData" xmlns:p15="http://schemas.microsoft.com/office/powerpoint/2012/main" xmlns:p14="http://schemas.microsoft.com/office/powerpoint/2010/main" xmlns:mc="http://schemas.openxmlformats.org/markup-compatibility/2006" val="SMDATA_15_q5OGZBMAAAAlAAAAZAAAAA0AAAAAjgAAAEcAAACOAAAARwAAAAAAAAAAAAAAAAAAAAEAAABQAAAAAAAAAAAA4D8AAAAAAADgPwAAAAAAAOA/AAAAAAAA4D8AAAAAAADgPwAAAAAAAOA/AAAAAAAA4D8AAAAAAADgPwAAAAAAAOA/AAAAAAAA4D8CAAAAjAAAAAAAAAAAAAAARHLEDP///wgAAAAAAAAAAAAAAAAAAAAAAAAAAAAAAAAAAAAAZAAAAAEAAABAAAAAAAAAAAAAAAAAAAAAAAAAAAAAAAAAAAAAAAAAAAAAAAAAAAAAAAAAAAAAAAAAAAAAAAAAAAAAAAAAAAAAAAAAAAAAAAAAAAAAAAAAAAAAAAAAAAAAFAAAADwAAAAAAAAAAAAAAAAAAAkUAAAAAQAAABQAAAAUAAAAFAAAAAEAAAAAAAAAZAAAAGQAAAAAAAAAZAAAAGQAAAAVAAAAYAAAAAAAAAAAAAAADwAAACADAAAAAAAAAAAAAAEAAACgMgAAVgcAAKr4//8BAAAAf39/AAEAAABkAAAAAAAAABQAAABAHwAAAAAAACYAAAAAAAAAwOD//wAAAAAmAAAAZAAAABYAAABMAAAAAAAAAAAAAAAEAAAAAAAAAAEAAADn5uYKAAAAACgAAAAoAAAAZAAAAGQAAAAAAAAAzMzMAAAAAABQAAAAUAAAAGQAAABkAAAAAAAAABcAAAAUAAAAAAAAAAAAAAD/fwAA/38AAAAAAAAJAAAABAAAAPz///8eAAAAaAAAAAAAAAAAAAAAAAAAAAAAAAAAAAAAECcAABAnAAAAAAAAAAAAAAAAAAAAAAAAAAAAAAAAAAAAAAAAAAAAABQAAAAAAAAAwMD/AAAAAABkAAAAMgAAAAAAAABkAAAAAAAAAH9/fwAKAAAAIgAAABgAAAAAAAAAAAAAAAAAAAAAAAAAAAAAAAAAAAAkAAAAJAAAAAAAAAAHAAAAAAAAAAAAAAAAAAAAAAAAAAAAAAAAAAAAf39/ACUAAABYAAAAAAAAAAAAAAAAAAAAAAAAAAAAAAAAAAAAAAAAAAAAAAAAAAAAAAAAAAAAAAA/AAAAAAAAAKCGAQAAAAAAAAAAAAAAAAAMAAAAAQAAAAAAAAAAAAAAAAAAAB8AAABUAAAARHLEBf///wEAAAAAAAAAAAAAAAAAAAAAAAAAAAAAAAAAAAAAAAAAAAAAAAJ/f38A5+bmA8zMzADAwP8Af39/AAAAAAAAAAAAAAAAAAAAAAAAAAAAIQAAABgAAAAUAAAAlwIAAMgIAAC4RwAAEA4AABAAAAAmAAAACAAAAP//////////"/>
               </a:ext>
             </a:extLst>
           </p:cNvSpPr>
@@ -15093,11 +14917,6 @@
               </a:rPr>
               <a:t>Exercício 1: Criando uma classe básica</a:t>
             </a:r>
-            <a:endParaRPr lang="pt-br" cap="none">
-              <a:solidFill>
-                <a:schemeClr val="bg1"/>
-              </a:solidFill>
-            </a:endParaRPr>
           </a:p>
           <a:p>
             <a:pPr>
@@ -15111,11 +14930,6 @@
               </a:rPr>
               <a:t>Crie uma classe chamada Pessoa que tenha as propriedades nome e idade, </a:t>
             </a:r>
-            <a:endParaRPr lang="pt-br" cap="none">
-              <a:solidFill>
-                <a:schemeClr val="bg1"/>
-              </a:solidFill>
-            </a:endParaRPr>
           </a:p>
           <a:p>
             <a:pPr>
@@ -15140,18 +14954,11 @@
   <p:clrMapOvr>
     <a:masterClrMapping/>
   </p:clrMapOvr>
-  <p:timing>
-    <p:tnLst>
-      <p:par>
-        <p:cTn id="1" dur="indefinite" restart="never" nodeType="tmRoot"/>
-      </p:par>
-    </p:tnLst>
-  </p:timing>
 </p:sld>
 </file>
 
 <file path=ppt/slides/slide24.xml><?xml version="1.0" encoding="utf-8"?>
-<p:sld xmlns:p="http://schemas.openxmlformats.org/presentationml/2006/main" xmlns:mc="http://schemas.openxmlformats.org/markup-compatibility/2006" xmlns:p14="http://schemas.microsoft.com/office/powerpoint/2010/main" xmlns:p15="http://schemas.microsoft.com/office/powerpoint/2012/main" xmlns:r="http://schemas.openxmlformats.org/officeDocument/2006/relationships" xmlns:a="http://schemas.openxmlformats.org/drawingml/2006/main" mc:Ignorable="p14">
+<p:sld xmlns:a="http://schemas.openxmlformats.org/drawingml/2006/main" xmlns:r="http://schemas.openxmlformats.org/officeDocument/2006/relationships" xmlns:p="http://schemas.openxmlformats.org/presentationml/2006/main">
   <p:cSld>
     <p:bg>
       <p:bgPr>
@@ -15181,7 +14988,7 @@
           <p:cNvSpPr>
             <a:extLst>
               <a:ext uri="smNativeData">
-                <pr:smNativeData xmlns:pr="smNativeData" xmlns="smNativeData" val="SMDATA_15_q5OGZBMAAAAlAAAAqgAAAA0AAAAAkAAAAEgAAACQAAAASAAAAAAAAAAAAAAAAAAAAAEAAABQAAAAda9fBcX/xz8AAAAAAADgPwAAAAAAAOA/AAAAAAAA4D8AAAAAAADgPwAAAAAAAOA/AAAAAAAA4D8AAAAAAADgPwAAAAAAAOA/AAAAAAAA4D8CAAAAjAAAAAEAAAAAAAAANEBQAP///wgAAAAAAAAAAAAAAAAAAAAAAAAAAAAAAAAAAAAAZAAAAAEAAABAAAAAAAAAAAAAAAAAAAAAAAAAAAAAAAAAAAAAAAAAAAAAAAAAAAAAAAAAAAAAAAAAAAAAAAAAAAAAAAAAAAAAAAAAAAAAAAAAAAAAAAAAAAAAAAAAAAAAFAAAADwAAAABAAAAAAAAAP///wgoAAAAAQAAABQAAAAUAAAAFAAAAAEAAAAAAAAAZAAAAGQAAAAAAAAAZAAAAGQAAAAVAAAAYAAAAAAAAAAAAAAADwAAACADAAAAAAAAAAAAAAEAAACgMgAAVgcAAKr4//8BAAAAf39/AAEAAABkAAAAAAAAABQAAABAHwAAAAAAACYAAAAAAAAAwOD//wAAAAAmAAAAZAAAABYAAABMAAAAAAAAAAAAAAAEAAAAAAAAAAEAAADn5uYKAAAAACgAAAAoAAAAZAAAAGQAAAAAAAAAzMzMAAAAAABQAAAAUAAAAGQAAABkAAAAAAAAABcAAAAUAAAAAAAAAAAAAAD/fwAA/38AAAAAAAAJAAAABAAAAPj///8eAAAAaAAAAAAAAAAAAAAAAAAAAAAAAAAAAAAAECcAABAnAAAAAAAAAAAAAAAAAAAAAAAAAAAAAAAAAAAAAAAAAAAAABQAAAAAAAAAwMD/AAAAAABkAAAAMgAAAAAAAABkAAAAAAAAAH9/fwAKAAAAIgAAABgAAAAAAAAAAAAAAAAAAAAAAAAAAAAAAAAAAAAkAAAAJAAAAAAAAAAHAAAAAAAAAAAAAAAAAAAAAAAAAAAAAAAAAAAAf39/ACUAAABYAAAAAAAAAAAAAAAAAAAAAAAAAAAAAAAAAAAAAAAAAAAAAAAAAAAAAAAAAAAAAAA/AAAAAAAAAKCGAQAAAAAAAAAAAAAAAAAMAAAAAQAAAAAAAAAAAAAAAAAAAB8AAABUAAAANEBQAP///wEAAAAAAAAAAAAAAAAAAAAAAAAAAAAAAAAAAAAAAAAAAP///wF/f38A5+bmA8zMzADAwP8Af39/AAAAAAAAAAAAAAAAAAAAAAAAAAAAIQAAABgAAAAUAAAAAQAAAAEAAAAASwAAMCoAABAAAAAmAAAACAAAAP//////////"/>
+                <pr:smNativeData xmlns="smNativeData" xmlns:pr="smNativeData" xmlns:p15="http://schemas.microsoft.com/office/powerpoint/2012/main" xmlns:p14="http://schemas.microsoft.com/office/powerpoint/2010/main" xmlns:mc="http://schemas.openxmlformats.org/markup-compatibility/2006" val="SMDATA_15_q5OGZBMAAAAlAAAAqgAAAA0AAAAAkAAAAEgAAACQAAAASAAAAAAAAAAAAAAAAAAAAAEAAABQAAAAda9fBcX/xz8AAAAAAADgPwAAAAAAAOA/AAAAAAAA4D8AAAAAAADgPwAAAAAAAOA/AAAAAAAA4D8AAAAAAADgPwAAAAAAAOA/AAAAAAAA4D8CAAAAjAAAAAEAAAAAAAAANEBQAP///wgAAAAAAAAAAAAAAAAAAAAAAAAAAAAAAAAAAAAAZAAAAAEAAABAAAAAAAAAAAAAAAAAAAAAAAAAAAAAAAAAAAAAAAAAAAAAAAAAAAAAAAAAAAAAAAAAAAAAAAAAAAAAAAAAAAAAAAAAAAAAAAAAAAAAAAAAAAAAAAAAAAAAFAAAADwAAAABAAAAAAAAAP///wgoAAAAAQAAABQAAAAUAAAAFAAAAAEAAAAAAAAAZAAAAGQAAAAAAAAAZAAAAGQAAAAVAAAAYAAAAAAAAAAAAAAADwAAACADAAAAAAAAAAAAAAEAAACgMgAAVgcAAKr4//8BAAAAf39/AAEAAABkAAAAAAAAABQAAABAHwAAAAAAACYAAAAAAAAAwOD//wAAAAAmAAAAZAAAABYAAABMAAAAAAAAAAAAAAAEAAAAAAAAAAEAAADn5uYKAAAAACgAAAAoAAAAZAAAAGQAAAAAAAAAzMzMAAAAAABQAAAAUAAAAGQAAABkAAAAAAAAABcAAAAUAAAAAAAAAAAAAAD/fwAA/38AAAAAAAAJAAAABAAAAPj///8eAAAAaAAAAAAAAAAAAAAAAAAAAAAAAAAAAAAAECcAABAnAAAAAAAAAAAAAAAAAAAAAAAAAAAAAAAAAAAAAAAAAAAAABQAAAAAAAAAwMD/AAAAAABkAAAAMgAAAAAAAABkAAAAAAAAAH9/fwAKAAAAIgAAABgAAAAAAAAAAAAAAAAAAAAAAAAAAAAAAAAAAAAkAAAAJAAAAAAAAAAHAAAAAAAAAAAAAAAAAAAAAAAAAAAAAAAAAAAAf39/ACUAAABYAAAAAAAAAAAAAAAAAAAAAAAAAAAAAAAAAAAAAAAAAAAAAAAAAAAAAAAAAAAAAAA/AAAAAAAAAKCGAQAAAAAAAAAAAAAAAAAMAAAAAQAAAAAAAAAAAAAAAAAAAB8AAABUAAAANEBQAP///wEAAAAAAAAAAAAAAAAAAAAAAAAAAAAAAAAAAAAAAAAAAP///wF/f38A5+bmA8zMzADAwP8Af39/AAAAAAAAAAAAAAAAAAAAAAAAAAAAIQAAABgAAAAUAAAAAQAAAAEAAAAASwAAMCoAABAAAAAmAAAACAAAAP//////////"/>
               </a:ext>
             </a:extLst>
           </p:cNvSpPr>
@@ -15217,7 +15024,7 @@
           <p:cNvSpPr>
             <a:extLst>
               <a:ext uri="smNativeData">
-                <pr:smNativeData xmlns:pr="smNativeData" xmlns="smNativeData" val="SMDATA_15_q5OGZBMAAAAlAAAAZAAAAA0AAAAAjgAAAEcAAACOAAAARwAAAAAAAAABAAAAAAAAAAEAAABQAAAAAAAAAAAA4D8AAAAAAADgPwAAAAAAAOA/AAAAAAAA4D8AAAAAAADgPwAAAAAAAOA/AAAAAAAA4D8AAAAAAADgPwAAAAAAAOA/AAAAAAAA4D8CAAAAjAAAAAEAAAAAAAAAIis1AP///wgAAAAAAAAAAAAAAAAAAAAAAAAAAAAAAAAAAAAAZAAAAAEAAABAAAAAAAAAAAAAAAAAAAAAAAAAAAAAAAAAAAAAAAAAAAAAAAAAAAAAAAAAAAAAAAAAAAAAAAAAAAAAAAAAAAAAAAAAAAAAAAAAAAAAAAAAAAAAAAAAAAAAFAAAADwAAAABAAAAAAAAAOfm5gooAAAAAQAAABQAAAAUAAAAFAAAAAEAAAAAAAAAZAAAAGQAAAAAAAAAZAAAAGQAAAAVAAAAYAAAAAAAAAAAAAAADwAAACADAAAAAAAAAAAAAAEAAACgMgAAVgcAAKr4//8BAAAAf39/AAEAAABkAAAAAAAAABQAAABAHwAAAAAAACYAAAAAAAAAwOD//wAAAAAmAAAAZAAAABYAAABMAAAAAAAAAAAAAAAEAAAAAAAAAAEAAADn5uYKAAAAACgAAAAoAAAAZAAAAGQAAAAAAAAAzMzMAAAAAABQAAAAUAAAAGQAAABkAAAAAAAAABcAAAAUAAAAAAAAAAAAAAD/fwAA/38AAAAAAAAJAAAABAAAAPb///8eAAAAaAAAAAAAAAAAAAAAAAAAAAAAAAAAAAAAECcAABAnAAAAAAAAAAAAAAAAAAAAAAAAAAAAAAAAAAAAAAAAAAAAABQAAAAAAAAAwMD/AAAAAABkAAAAMgAAAAAAAABkAAAAAAAAAH9/fwAKAAAAIgAAABgAAAAAAAAAAAAAAAAAAAAAAAAAAAAAAAAAAAAkAAAAJAAAAAAAAAAHAAAAAAAAAAAAAAAAAAAAAAAAAAAAAAAAAAAAf39/ACUAAABYAAAAAAAAAAAAAAAAAAAAAAAAAAAAAAAAAAAAAAAAAAAAAAAAAAAAAAAAAAAAAAA/AAAAAAAAAKCGAQAAAAAAAAAAAAAAAAAMAAAAAQAAAAAAAAAAAAAAAAAAAB8AAABUAAAAIis1AP///wEAAAAAAAAAAAAAAAAAAAAAAAAAAAAAAAAAAAAAAAAAAOfm5gN/f38A5+bmA8zMzADAwP8Af39/AAAAAAAAAAAAAAAAAAAAAAAAAAAAIQAAABgAAAAUAAAAbRQAAH4AAADoNgAAPQYAABAAAAAmAAAACAAAAP//////////"/>
+                <pr:smNativeData xmlns="smNativeData" xmlns:pr="smNativeData" xmlns:p15="http://schemas.microsoft.com/office/powerpoint/2012/main" xmlns:p14="http://schemas.microsoft.com/office/powerpoint/2010/main" xmlns:mc="http://schemas.openxmlformats.org/markup-compatibility/2006" val="SMDATA_15_q5OGZBMAAAAlAAAAZAAAAA0AAAAAjgAAAEcAAACOAAAARwAAAAAAAAABAAAAAAAAAAEAAABQAAAAAAAAAAAA4D8AAAAAAADgPwAAAAAAAOA/AAAAAAAA4D8AAAAAAADgPwAAAAAAAOA/AAAAAAAA4D8AAAAAAADgPwAAAAAAAOA/AAAAAAAA4D8CAAAAjAAAAAEAAAAAAAAAIis1AP///wgAAAAAAAAAAAAAAAAAAAAAAAAAAAAAAAAAAAAAZAAAAAEAAABAAAAAAAAAAAAAAAAAAAAAAAAAAAAAAAAAAAAAAAAAAAAAAAAAAAAAAAAAAAAAAAAAAAAAAAAAAAAAAAAAAAAAAAAAAAAAAAAAAAAAAAAAAAAAAAAAAAAAFAAAADwAAAABAAAAAAAAAOfm5gooAAAAAQAAABQAAAAUAAAAFAAAAAEAAAAAAAAAZAAAAGQAAAAAAAAAZAAAAGQAAAAVAAAAYAAAAAAAAAAAAAAADwAAACADAAAAAAAAAAAAAAEAAACgMgAAVgcAAKr4//8BAAAAf39/AAEAAABkAAAAAAAAABQAAABAHwAAAAAAACYAAAAAAAAAwOD//wAAAAAmAAAAZAAAABYAAABMAAAAAAAAAAAAAAAEAAAAAAAAAAEAAADn5uYKAAAAACgAAAAoAAAAZAAAAGQAAAAAAAAAzMzMAAAAAABQAAAAUAAAAGQAAABkAAAAAAAAABcAAAAUAAAAAAAAAAAAAAD/fwAA/38AAAAAAAAJAAAABAAAAPb///8eAAAAaAAAAAAAAAAAAAAAAAAAAAAAAAAAAAAAECcAABAnAAAAAAAAAAAAAAAAAAAAAAAAAAAAAAAAAAAAAAAAAAAAABQAAAAAAAAAwMD/AAAAAABkAAAAMgAAAAAAAABkAAAAAAAAAH9/fwAKAAAAIgAAABgAAAAAAAAAAAAAAAAAAAAAAAAAAAAAAAAAAAAkAAAAJAAAAAAAAAAHAAAAAAAAAAAAAAAAAAAAAAAAAAAAAAAAAAAAf39/ACUAAABYAAAAAAAAAAAAAAAAAAAAAAAAAAAAAAAAAAAAAAAAAAAAAAAAAAAAAAAAAAAAAAA/AAAAAAAAAKCGAQAAAAAAAAAAAAAAAAAMAAAAAQAAAAAAAAAAAAAAAAAAAB8AAABUAAAAIis1AP///wEAAAAAAAAAAAAAAAAAAAAAAAAAAAAAAAAAAAAAAAAAAOfm5gN/f38A5+bmA8zMzADAwP8Af39/AAAAAAAAAAAAAAAAAAAAAAAAAAAAIQAAABgAAAAUAAAAbRQAAH4AAADoNgAAPQYAABAAAAAmAAAACAAAAP//////////"/>
               </a:ext>
             </a:extLst>
           </p:cNvSpPr>
@@ -15254,8 +15061,8 @@
               </a:lnSpc>
               <a:defRPr lang="pt-br" cap="none">
                 <a:latin typeface="Arial" pitchFamily="2" charset="0"/>
-                <a:ea typeface="DejaVu Sans" pitchFamily="0" charset="0"/>
-                <a:cs typeface="DejaVu Sans" pitchFamily="0" charset="0"/>
+                <a:ea typeface="DejaVu Sans" charset="0"/>
+                <a:cs typeface="DejaVu Sans" charset="0"/>
               </a:defRPr>
             </a:pPr>
             <a:r>
@@ -15263,9 +15070,9 @@
                 <a:solidFill>
                   <a:srgbClr val="FFFFFF"/>
                 </a:solidFill>
-                <a:latin typeface="Montserrat" pitchFamily="0" charset="0"/>
-                <a:ea typeface="DejaVu Sans" pitchFamily="0" charset="0"/>
-                <a:cs typeface="DejaVu Sans" pitchFamily="0" charset="0"/>
+                <a:latin typeface="Montserrat" charset="0"/>
+                <a:ea typeface="DejaVu Sans" charset="0"/>
+                <a:cs typeface="DejaVu Sans" charset="0"/>
               </a:rPr>
               <a:t>Mão na massa</a:t>
             </a:r>
@@ -15279,7 +15086,7 @@
           <p:cNvSpPr>
             <a:extLst>
               <a:ext uri="smNativeData">
-                <pr:smNativeData xmlns:pr="smNativeData" xmlns="smNativeData" val="SMDATA_15_q5OGZBMAAAAlAAAAZAAAAA0AAAAAjgAAAEcAAACOAAAARwAAAAAAAAAAAAAAAAAAAAEAAABQAAAAAAAAAAAA4D8AAAAAAADgPwAAAAAAAOA/AAAAAAAA4D8AAAAAAADgPwAAAAAAAOA/AAAAAAAA4D8AAAAAAADgPwAAAAAAAOA/AAAAAAAA4D8CAAAAjAAAAAAAAAAAAAAARHLEDP///wgAAAAAAAAAAAAAAAAAAAAAAAAAAAAAAAAAAAAAZAAAAAEAAABAAAAAAAAAAAAAAAAAAAAAAAAAAAAAAAAAAAAAAAAAAAAAAAAAAAAAAAAAAAAAAAAAAAAAAAAAAAAAAAAAAAAAAAAAAAAAAAAAAAAAAAAAAAAAAAAAAAAAFAAAADwAAAAAAAAAAAAAAAAAAAkUAAAAAQAAABQAAAAUAAAAFAAAAAEAAAAAAAAAZAAAAGQAAAAAAAAAZAAAAGQAAAAVAAAAYAAAAAAAAAAAAAAADwAAACADAAAAAAAAAAAAAAEAAACgMgAAVgcAAKr4//8BAAAAf39/AAEAAABkAAAAAAAAABQAAABAHwAAAAAAACYAAAAAAAAAwOD//wAAAAAmAAAAZAAAABYAAABMAAAAAAAAAAAAAAAEAAAAAAAAAAEAAADn5uYKAAAAACgAAAAoAAAAZAAAAGQAAAAAAAAAzMzMAAAAAABQAAAAUAAAAGQAAABkAAAAAAAAABcAAAAUAAAAAAAAAAAAAAD/fwAA/38AAAAAAAAJAAAABAAAAOr///8eAAAAaAAAAAAAAAAAAAAAAAAAAAAAAAAAAAAAECcAABAnAAAAAAAAAAAAAAAAAAAAAAAAAAAAAAAAAAAAAAAAAAAAABQAAAAAAAAAwMD/AAAAAABkAAAAMgAAAAAAAABkAAAAAAAAAH9/fwAKAAAAIgAAABgAAAAAAAAAAAAAAAAAAAAAAAAAAAAAAAAAAAAkAAAAJAAAAAAAAAAHAAAAAAAAAAAAAAAAAAAAAAAAAAAAAAAAAAAAf39/ACUAAABYAAAAAAAAAAAAAAAAAAAAAAAAAAAAAAAAAAAAAAAAAAAAAAAAAAAAAAAAAAAAAAA/AAAAAAAAAKCGAQAAAAAAAAAAAAAAAAAMAAAAAQAAAAAAAAAAAAAAAAAAAB8AAABUAAAARHLEBf///wEAAAAAAAAAAAAAAAAAAAAAAAAAAAAAAAAAAAAAAAAAAAAAAAJ/f38A5+bmA8zMzADAwP8Af39/AAAAAAAAAAAAAAAAAAAAAAAAAAAAIQAAABgAAAAUAAAA0AIAADUHAADxRwAAEA4AABAAAAAmAAAACAAAAP//////////"/>
+                <pr:smNativeData xmlns="smNativeData" xmlns:pr="smNativeData" xmlns:p15="http://schemas.microsoft.com/office/powerpoint/2012/main" xmlns:p14="http://schemas.microsoft.com/office/powerpoint/2010/main" xmlns:mc="http://schemas.openxmlformats.org/markup-compatibility/2006" val="SMDATA_15_q5OGZBMAAAAlAAAAZAAAAA0AAAAAjgAAAEcAAACOAAAARwAAAAAAAAAAAAAAAAAAAAEAAABQAAAAAAAAAAAA4D8AAAAAAADgPwAAAAAAAOA/AAAAAAAA4D8AAAAAAADgPwAAAAAAAOA/AAAAAAAA4D8AAAAAAADgPwAAAAAAAOA/AAAAAAAA4D8CAAAAjAAAAAAAAAAAAAAARHLEDP///wgAAAAAAAAAAAAAAAAAAAAAAAAAAAAAAAAAAAAAZAAAAAEAAABAAAAAAAAAAAAAAAAAAAAAAAAAAAAAAAAAAAAAAAAAAAAAAAAAAAAAAAAAAAAAAAAAAAAAAAAAAAAAAAAAAAAAAAAAAAAAAAAAAAAAAAAAAAAAAAAAAAAAFAAAADwAAAAAAAAAAAAAAAAAAAkUAAAAAQAAABQAAAAUAAAAFAAAAAEAAAAAAAAAZAAAAGQAAAAAAAAAZAAAAGQAAAAVAAAAYAAAAAAAAAAAAAAADwAAACADAAAAAAAAAAAAAAEAAACgMgAAVgcAAKr4//8BAAAAf39/AAEAAABkAAAAAAAAABQAAABAHwAAAAAAACYAAAAAAAAAwOD//wAAAAAmAAAAZAAAABYAAABMAAAAAAAAAAAAAAAEAAAAAAAAAAEAAADn5uYKAAAAACgAAAAoAAAAZAAAAGQAAAAAAAAAzMzMAAAAAABQAAAAUAAAAGQAAABkAAAAAAAAABcAAAAUAAAAAAAAAAAAAAD/fwAA/38AAAAAAAAJAAAABAAAAOr///8eAAAAaAAAAAAAAAAAAAAAAAAAAAAAAAAAAAAAECcAABAnAAAAAAAAAAAAAAAAAAAAAAAAAAAAAAAAAAAAAAAAAAAAABQAAAAAAAAAwMD/AAAAAABkAAAAMgAAAAAAAABkAAAAAAAAAH9/fwAKAAAAIgAAABgAAAAAAAAAAAAAAAAAAAAAAAAAAAAAAAAAAAAkAAAAJAAAAAAAAAAHAAAAAAAAAAAAAAAAAAAAAAAAAAAAAAAAAAAAf39/ACUAAABYAAAAAAAAAAAAAAAAAAAAAAAAAAAAAAAAAAAAAAAAAAAAAAAAAAAAAAAAAAAAAAA/AAAAAAAAAKCGAQAAAAAAAAAAAAAAAAAMAAAAAQAAAAAAAAAAAAAAAAAAAB8AAABUAAAARHLEBf///wEAAAAAAAAAAAAAAAAAAAAAAAAAAAAAAAAAAAAAAAAAAAAAAAJ/f38A5+bmA8zMzADAwP8Af39/AAAAAAAAAAAAAAAAAAAAAAAAAAAAIQAAABgAAAAUAAAA0AIAADUHAADxRwAAEA4AABAAAAAmAAAACAAAAP//////////"/>
               </a:ext>
             </a:extLst>
           </p:cNvSpPr>
@@ -15314,11 +15121,6 @@
               </a:rPr>
               <a:t>Exercício 2: Herança</a:t>
             </a:r>
-            <a:endParaRPr lang="pt-br" cap="none">
-              <a:solidFill>
-                <a:schemeClr val="bg1"/>
-              </a:solidFill>
-            </a:endParaRPr>
           </a:p>
           <a:p>
             <a:pPr>
@@ -15332,11 +15134,6 @@
               </a:rPr>
               <a:t>Crie uma classe chamada Aluno que herde da classe Pessoa do exercício anterior. </a:t>
             </a:r>
-            <a:endParaRPr lang="pt-br" cap="none">
-              <a:solidFill>
-                <a:schemeClr val="bg1"/>
-              </a:solidFill>
-            </a:endParaRPr>
           </a:p>
           <a:p>
             <a:pPr>
@@ -15350,11 +15147,6 @@
               </a:rPr>
               <a:t>Adicione uma nova propriedade chamada matricula à classe Aluno e sobrescreva o método apresentar para exibir também a matrícula do aluno.</a:t>
             </a:r>
-            <a:endParaRPr lang="pt-br" cap="none">
-              <a:solidFill>
-                <a:schemeClr val="bg1"/>
-              </a:solidFill>
-            </a:endParaRPr>
           </a:p>
         </p:txBody>
       </p:sp>
@@ -15364,7 +15156,7 @@
           <p:cNvPicPr>
             <a:extLst>
               <a:ext uri="smNativeData">
-                <pr:smNativeData xmlns:pr="smNativeData" xmlns="smNativeData" val="SMDATA_17_q5OGZBMAAAAlAAAAEQAAAA0AAAAAkAAAAEgAAACQAAAASAAAAAAAAAAAAAAAAAAAAAEAAABQAAAAAAAAAAAA4D8AAAAAAADgPwAAAAAAAOA/AAAAAAAA4D8AAAAAAADgPwAAAAAAAOA/AAAAAAAA4D8AAAAAAADgPwAAAAAAAOA/AAAAAAAA4D8CAAAAjAAAAAAAAAAAAAAARHLEDP///wgAAAAAAAAAAAAAAAAAAAAAAAAAAAAAAAAAAAAAZAAAAAEAAABAAAAAAAAAAAAAAAAAAAAAAAAAAAAAAAAAAAAAAAAAAAAAAAAAAAAAAAAAAAAAAAAAAAAAAAAAAAAAAAAAAAAAAAAAAAAAAAAAAAAAAAAAAAAAAAAAAAAAFAAAADwAAAAAAAAAAAAAAAAAAAkUAAAAAQAAABQAAAAUAAAAFAAAAAEAAAAAAAAAZAAAAGQAAAAAAAAAZAAAAGQAAAAVAAAAYAAAAAAAAAAAAAAADwAAACADAAAAAAAAAAAAAAEAAACgMgAAVgcAAKr4//8BAAAAf39/AAEAAABkAAAAAAAAABQAAABAHwAAAAAAACYAAAAAAAAAwOD//wAAAAAmAAAAZAAAABYAAABMAAAAAAAAAAAAAAAEAAAAAAAAAAEAAADn5uYKAAAAACgAAAAoAAAAZAAAAGQAAAAAAAAAzMzMAAAAAABQAAAAUAAAAGQAAABkAAAAAAAAAAcAAAA4AAAAAAAAAAAAAAAAAAAA////AAAAAAAAAAAAAAAAAAAAAAAAAAAAAAAAAAAAAABkAAAAZAAAAAAAAAAjAAAABAAAAGQAAAAXAAAAFAAAAAAAAAAAAAAA/38AAP9/AAAAAAAACQAAAAQAAAABAAAAHgAAAGgAAAAAAAAAAAAAAAAAAAAAAAAAAAAAABAnAAAQJwAAAAAAAAAAAAAAAAAAAAAAAAAAAAAAAAAAAAAAAAAAAAAUAAAAAAAAAMDA/wAAAAAAZAAAADIAAAAAAAAAZAAAAAAAAAB/f38ACgAAACIAAAAYAAAAAAAAAAAAAAAAAAAAAAAAAAAAAAAAAAAAJAAAACQAAAAAAAAABwAAAAAAAAAAAAAAAAAAAAAAAAAAAAAAAAAAAH9/fwAlAAAAWAAAAAAAAAAAAAAAAAAAAAAAAAAAAAAAAAAAAAAAAAAAAAAAAAAAAAAAAAAAAAAAPwAAAAAAAACghgEAAAAAAAAAAAAAAAAADAAAAAEAAAAAAAAAAAAAAAAAAAAfAAAAVAAAAERyxAX///8BAAAAAAAAAAAAAAAAAAAAAAAAAAAAAAAAAAAAAAAAAAAAAAACf39/AOfm5gPMzMwAwMD/AH9/fwAAAAAAAAAAAAAAAAD///8AAAAAACEAAAAYAAAAFAAAAKgMAADgEAAAHTwAABohAAAQAAAAJgAAAAgAAAD//////////w=="/>
+                <pr:smNativeData xmlns="smNativeData" xmlns:pr="smNativeData" xmlns:p15="http://schemas.microsoft.com/office/powerpoint/2012/main" xmlns:p14="http://schemas.microsoft.com/office/powerpoint/2010/main" xmlns:mc="http://schemas.openxmlformats.org/markup-compatibility/2006" val="SMDATA_17_q5OGZBMAAAAlAAAAEQAAAA0AAAAAkAAAAEgAAACQAAAASAAAAAAAAAAAAAAAAAAAAAEAAABQAAAAAAAAAAAA4D8AAAAAAADgPwAAAAAAAOA/AAAAAAAA4D8AAAAAAADgPwAAAAAAAOA/AAAAAAAA4D8AAAAAAADgPwAAAAAAAOA/AAAAAAAA4D8CAAAAjAAAAAAAAAAAAAAARHLEDP///wgAAAAAAAAAAAAAAAAAAAAAAAAAAAAAAAAAAAAAZAAAAAEAAABAAAAAAAAAAAAAAAAAAAAAAAAAAAAAAAAAAAAAAAAAAAAAAAAAAAAAAAAAAAAAAAAAAAAAAAAAAAAAAAAAAAAAAAAAAAAAAAAAAAAAAAAAAAAAAAAAAAAAFAAAADwAAAAAAAAAAAAAAAAAAAkUAAAAAQAAABQAAAAUAAAAFAAAAAEAAAAAAAAAZAAAAGQAAAAAAAAAZAAAAGQAAAAVAAAAYAAAAAAAAAAAAAAADwAAACADAAAAAAAAAAAAAAEAAACgMgAAVgcAAKr4//8BAAAAf39/AAEAAABkAAAAAAAAABQAAABAHwAAAAAAACYAAAAAAAAAwOD//wAAAAAmAAAAZAAAABYAAABMAAAAAAAAAAAAAAAEAAAAAAAAAAEAAADn5uYKAAAAACgAAAAoAAAAZAAAAGQAAAAAAAAAzMzMAAAAAABQAAAAUAAAAGQAAABkAAAAAAAAAAcAAAA4AAAAAAAAAAAAAAAAAAAA////AAAAAAAAAAAAAAAAAAAAAAAAAAAAAAAAAAAAAABkAAAAZAAAAAAAAAAjAAAABAAAAGQAAAAXAAAAFAAAAAAAAAAAAAAA/38AAP9/AAAAAAAACQAAAAQAAAABAAAAHgAAAGgAAAAAAAAAAAAAAAAAAAAAAAAAAAAAABAnAAAQJwAAAAAAAAAAAAAAAAAAAAAAAAAAAAAAAAAAAAAAAAAAAAAUAAAAAAAAAMDA/wAAAAAAZAAAADIAAAAAAAAAZAAAAAAAAAB/f38ACgAAACIAAAAYAAAAAAAAAAAAAAAAAAAAAAAAAAAAAAAAAAAAJAAAACQAAAAAAAAABwAAAAAAAAAAAAAAAAAAAAAAAAAAAAAAAAAAAH9/fwAlAAAAWAAAAAAAAAAAAAAAAAAAAAAAAAAAAAAAAAAAAAAAAAAAAAAAAAAAAAAAAAAAAAAAPwAAAAAAAACghgEAAAAAAAAAAAAAAAAADAAAAAEAAAAAAAAAAAAAAAAAAAAfAAAAVAAAAERyxAX///8BAAAAAAAAAAAAAAAAAAAAAAAAAAAAAAAAAAAAAAAAAAAAAAACf39/AOfm5gPMzMwAwMD/AH9/fwAAAAAAAAAAAAAAAAD///8AAAAAACEAAAAYAAAAFAAAAKgMAADgEAAAHTwAABohAAAQAAAAJgAAAAgAAAD//////////w=="/>
               </a:ext>
             </a:extLst>
           </p:cNvPicPr>
@@ -15396,18 +15188,11 @@
   <p:clrMapOvr>
     <a:masterClrMapping/>
   </p:clrMapOvr>
-  <p:timing>
-    <p:tnLst>
-      <p:par>
-        <p:cTn id="1" dur="indefinite" restart="never" nodeType="tmRoot"/>
-      </p:par>
-    </p:tnLst>
-  </p:timing>
 </p:sld>
 </file>
 
 <file path=ppt/slides/slide25.xml><?xml version="1.0" encoding="utf-8"?>
-<p:sld xmlns:p="http://schemas.openxmlformats.org/presentationml/2006/main" xmlns:mc="http://schemas.openxmlformats.org/markup-compatibility/2006" xmlns:p14="http://schemas.microsoft.com/office/powerpoint/2010/main" xmlns:p15="http://schemas.microsoft.com/office/powerpoint/2012/main" xmlns:r="http://schemas.openxmlformats.org/officeDocument/2006/relationships" xmlns:a="http://schemas.openxmlformats.org/drawingml/2006/main" mc:Ignorable="p14">
+<p:sld xmlns:a="http://schemas.openxmlformats.org/drawingml/2006/main" xmlns:r="http://schemas.openxmlformats.org/officeDocument/2006/relationships" xmlns:p="http://schemas.openxmlformats.org/presentationml/2006/main">
   <p:cSld>
     <p:bg>
       <p:bgPr>
@@ -15437,7 +15222,7 @@
           <p:cNvSpPr>
             <a:extLst>
               <a:ext uri="smNativeData">
-                <pr:smNativeData xmlns:pr="smNativeData" xmlns="smNativeData" val="SMDATA_15_q5OGZBMAAAAlAAAAqgAAAA0AAAAAkAAAAEgAAACQAAAASAAAAAAAAAAAAAAAAAAAAAEAAABQAAAAda9fBcX/xz8AAAAAAADgPwAAAAAAAOA/AAAAAAAA4D8AAAAAAADgPwAAAAAAAOA/AAAAAAAA4D8AAAAAAADgPwAAAAAAAOA/AAAAAAAA4D8CAAAAjAAAAAEAAAAAAAAANEBQAP///wgAAAAAAAAAAAAAAAAAAAAAAAAAAAAAAAAAAAAAZAAAAAEAAABAAAAAAAAAAAAAAAAAAAAAAAAAAAAAAAAAAAAAAAAAAAAAAAAAAAAAAAAAAAAAAAAAAAAAAAAAAAAAAAAAAAAAAAAAAAAAAAAAAAAAAAAAAAAAAAAAAAAAFAAAADwAAAABAAAAAAAAAP///wgoAAAAAQAAABQAAAAUAAAAFAAAAAEAAAAAAAAAZAAAAGQAAAAAAAAAZAAAAGQAAAAVAAAAYAAAAAAAAAAAAAAADwAAACADAAAAAAAAAAAAAAEAAACgMgAAVgcAAKr4//8BAAAAf39/AAEAAABkAAAAAAAAABQAAABAHwAAAAAAACYAAAAAAAAAwOD//wAAAAAmAAAAZAAAABYAAABMAAAAAAAAAAAAAAAEAAAAAAAAAAEAAADn5uYKAAAAACgAAAAoAAAAZAAAAGQAAAAAAAAAzMzMAAAAAABQAAAAUAAAAGQAAABkAAAAAAAAABcAAAAUAAAAAAAAAAAAAAD/fwAA/38AAAAAAAAJAAAABAAAAPn///8eAAAAaAAAAAAAAAAAAAAAAAAAAAAAAAAAAAAAECcAABAnAAAAAAAAAAAAAAAAAAAAAAAAAAAAAAAAAAAAAAAAAAAAABQAAAAAAAAAwMD/AAAAAABkAAAAMgAAAAAAAABkAAAAAAAAAH9/fwAKAAAAIgAAABgAAAAAAAAAAAAAAAAAAAAAAAAAAAAAAAAAAAAkAAAAJAAAAAAAAAAHAAAAAAAAAAAAAAAAAAAAAAAAAAAAAAAAAAAAf39/ACUAAABYAAAAAAAAAAAAAAAAAAAAAAAAAAAAAAAAAAAAAAAAAAAAAAAAAAAAAAAAAAAAAAA/AAAAAAAAAKCGAQAAAAAAAAAAAAAAAAAMAAAAAQAAAAAAAAAAAAAAAAAAAB8AAABUAAAANEBQAP///wEAAAAAAAAAAAAAAAAAAAAAAAAAAAAAAAAAAAAAAAAAAP///wF/f38A5+bmA8zMzADAwP8Af39/AAAAAAAAAAAAAAAAAAAAAAAAAAAAIQAAABgAAAAUAAAAAQAAAAEAAAAASwAAMCoAABAAAAAmAAAACAAAAP//////////"/>
+                <pr:smNativeData xmlns="smNativeData" xmlns:pr="smNativeData" xmlns:p15="http://schemas.microsoft.com/office/powerpoint/2012/main" xmlns:p14="http://schemas.microsoft.com/office/powerpoint/2010/main" xmlns:mc="http://schemas.openxmlformats.org/markup-compatibility/2006" val="SMDATA_15_q5OGZBMAAAAlAAAAqgAAAA0AAAAAkAAAAEgAAACQAAAASAAAAAAAAAAAAAAAAAAAAAEAAABQAAAAda9fBcX/xz8AAAAAAADgPwAAAAAAAOA/AAAAAAAA4D8AAAAAAADgPwAAAAAAAOA/AAAAAAAA4D8AAAAAAADgPwAAAAAAAOA/AAAAAAAA4D8CAAAAjAAAAAEAAAAAAAAANEBQAP///wgAAAAAAAAAAAAAAAAAAAAAAAAAAAAAAAAAAAAAZAAAAAEAAABAAAAAAAAAAAAAAAAAAAAAAAAAAAAAAAAAAAAAAAAAAAAAAAAAAAAAAAAAAAAAAAAAAAAAAAAAAAAAAAAAAAAAAAAAAAAAAAAAAAAAAAAAAAAAAAAAAAAAFAAAADwAAAABAAAAAAAAAP///wgoAAAAAQAAABQAAAAUAAAAFAAAAAEAAAAAAAAAZAAAAGQAAAAAAAAAZAAAAGQAAAAVAAAAYAAAAAAAAAAAAAAADwAAACADAAAAAAAAAAAAAAEAAACgMgAAVgcAAKr4//8BAAAAf39/AAEAAABkAAAAAAAAABQAAABAHwAAAAAAACYAAAAAAAAAwOD//wAAAAAmAAAAZAAAABYAAABMAAAAAAAAAAAAAAAEAAAAAAAAAAEAAADn5uYKAAAAACgAAAAoAAAAZAAAAGQAAAAAAAAAzMzMAAAAAABQAAAAUAAAAGQAAABkAAAAAAAAABcAAAAUAAAAAAAAAAAAAAD/fwAA/38AAAAAAAAJAAAABAAAAPn///8eAAAAaAAAAAAAAAAAAAAAAAAAAAAAAAAAAAAAECcAABAnAAAAAAAAAAAAAAAAAAAAAAAAAAAAAAAAAAAAAAAAAAAAABQAAAAAAAAAwMD/AAAAAABkAAAAMgAAAAAAAABkAAAAAAAAAH9/fwAKAAAAIgAAABgAAAAAAAAAAAAAAAAAAAAAAAAAAAAAAAAAAAAkAAAAJAAAAAAAAAAHAAAAAAAAAAAAAAAAAAAAAAAAAAAAAAAAAAAAf39/ACUAAABYAAAAAAAAAAAAAAAAAAAAAAAAAAAAAAAAAAAAAAAAAAAAAAAAAAAAAAAAAAAAAAA/AAAAAAAAAKCGAQAAAAAAAAAAAAAAAAAMAAAAAQAAAAAAAAAAAAAAAAAAAB8AAABUAAAANEBQAP///wEAAAAAAAAAAAAAAAAAAAAAAAAAAAAAAAAAAAAAAAAAAP///wF/f38A5+bmA8zMzADAwP8Af39/AAAAAAAAAAAAAAAAAAAAAAAAAAAAIQAAABgAAAAUAAAAAQAAAAEAAAAASwAAMCoAABAAAAAmAAAACAAAAP//////////"/>
               </a:ext>
             </a:extLst>
           </p:cNvSpPr>
@@ -15473,7 +15258,7 @@
           <p:cNvSpPr>
             <a:extLst>
               <a:ext uri="smNativeData">
-                <pr:smNativeData xmlns:pr="smNativeData" xmlns="smNativeData" val="SMDATA_15_q5OGZBMAAAAlAAAAZAAAAA0AAAAAjgAAAEcAAACOAAAARwAAAAAAAAABAAAAAAAAAAEAAABQAAAAAAAAAAAA4D8AAAAAAADgPwAAAAAAAOA/AAAAAAAA4D8AAAAAAADgPwAAAAAAAOA/AAAAAAAA4D8AAAAAAADgPwAAAAAAAOA/AAAAAAAA4D8CAAAAjAAAAAEAAAAAAAAAIis1AP///wgAAAAAAAAAAAAAAAAAAAAAAAAAAAAAAAAAAAAAZAAAAAEAAABAAAAAAAAAAAAAAAAAAAAAAAAAAAAAAAAAAAAAAAAAAAAAAAAAAAAAAAAAAAAAAAAAAAAAAAAAAAAAAAAAAAAAAAAAAAAAAAAAAAAAAAAAAAAAAAAAAAAAFAAAADwAAAABAAAAAAAAAOfm5gooAAAAAQAAABQAAAAUAAAAFAAAAAEAAAAAAAAAZAAAAGQAAAAAAAAAZAAAAGQAAAAVAAAAYAAAAAAAAAAAAAAADwAAACADAAAAAAAAAAAAAAEAAACgMgAAVgcAAKr4//8BAAAAf39/AAEAAABkAAAAAAAAABQAAABAHwAAAAAAACYAAAAAAAAAwOD//wAAAAAmAAAAZAAAABYAAABMAAAAAAAAAAAAAAAEAAAAAAAAAAEAAADn5uYKAAAAACgAAAAoAAAAZAAAAGQAAAAAAAAAzMzMAAAAAABQAAAAUAAAAGQAAABkAAAAAAAAABcAAAAUAAAAAAAAAAAAAAD/fwAA/38AAAAAAAAJAAAABAAAAOT///8eAAAAaAAAAAAAAAAAAAAAAAAAAAAAAAAAAAAAECcAABAnAAAAAAAAAAAAAAAAAAAAAAAAAAAAAAAAAAAAAAAAAAAAABQAAAAAAAAAwMD/AAAAAABkAAAAMgAAAAAAAABkAAAAAAAAAH9/fwAKAAAAIgAAABgAAAAAAAAAAAAAAAAAAAAAAAAAAAAAAAAAAAAkAAAAJAAAAAAAAAAHAAAAAAAAAAAAAAAAAAAAAAAAAAAAAAAAAAAAf39/ACUAAABYAAAAAAAAAAAAAAAAAAAAAAAAAAAAAAAAAAAAAAAAAAAAAAAAAAAAAAAAAAAAAAA/AAAAAAAAAKCGAQAAAAAAAAAAAAAAAAAMAAAAAQAAAAAAAAAAAAAAAAAAAB8AAABUAAAAIis1AP///wEAAAAAAAAAAAAAAAAAAAAAAAAAAAAAAAAAAAAAAAAAAOfm5gN/f38A5+bmA8zMzADAwP8Af39/AAAAAAAAAAAAAAAAAAAAAAAAAAAAIQAAABgAAAAUAAAAbRQAAH4AAADoNgAAPQYAABAAAAAmAAAACAAAAP//////////"/>
+                <pr:smNativeData xmlns="smNativeData" xmlns:pr="smNativeData" xmlns:p15="http://schemas.microsoft.com/office/powerpoint/2012/main" xmlns:p14="http://schemas.microsoft.com/office/powerpoint/2010/main" xmlns:mc="http://schemas.openxmlformats.org/markup-compatibility/2006" val="SMDATA_15_q5OGZBMAAAAlAAAAZAAAAA0AAAAAjgAAAEcAAACOAAAARwAAAAAAAAABAAAAAAAAAAEAAABQAAAAAAAAAAAA4D8AAAAAAADgPwAAAAAAAOA/AAAAAAAA4D8AAAAAAADgPwAAAAAAAOA/AAAAAAAA4D8AAAAAAADgPwAAAAAAAOA/AAAAAAAA4D8CAAAAjAAAAAEAAAAAAAAAIis1AP///wgAAAAAAAAAAAAAAAAAAAAAAAAAAAAAAAAAAAAAZAAAAAEAAABAAAAAAAAAAAAAAAAAAAAAAAAAAAAAAAAAAAAAAAAAAAAAAAAAAAAAAAAAAAAAAAAAAAAAAAAAAAAAAAAAAAAAAAAAAAAAAAAAAAAAAAAAAAAAAAAAAAAAFAAAADwAAAABAAAAAAAAAOfm5gooAAAAAQAAABQAAAAUAAAAFAAAAAEAAAAAAAAAZAAAAGQAAAAAAAAAZAAAAGQAAAAVAAAAYAAAAAAAAAAAAAAADwAAACADAAAAAAAAAAAAAAEAAACgMgAAVgcAAKr4//8BAAAAf39/AAEAAABkAAAAAAAAABQAAABAHwAAAAAAACYAAAAAAAAAwOD//wAAAAAmAAAAZAAAABYAAABMAAAAAAAAAAAAAAAEAAAAAAAAAAEAAADn5uYKAAAAACgAAAAoAAAAZAAAAGQAAAAAAAAAzMzMAAAAAABQAAAAUAAAAGQAAABkAAAAAAAAABcAAAAUAAAAAAAAAAAAAAD/fwAA/38AAAAAAAAJAAAABAAAAOT///8eAAAAaAAAAAAAAAAAAAAAAAAAAAAAAAAAAAAAECcAABAnAAAAAAAAAAAAAAAAAAAAAAAAAAAAAAAAAAAAAAAAAAAAABQAAAAAAAAAwMD/AAAAAABkAAAAMgAAAAAAAABkAAAAAAAAAH9/fwAKAAAAIgAAABgAAAAAAAAAAAAAAAAAAAAAAAAAAAAAAAAAAAAkAAAAJAAAAAAAAAAHAAAAAAAAAAAAAAAAAAAAAAAAAAAAAAAAAAAAf39/ACUAAABYAAAAAAAAAAAAAAAAAAAAAAAAAAAAAAAAAAAAAAAAAAAAAAAAAAAAAAAAAAAAAAA/AAAAAAAAAKCGAQAAAAAAAAAAAAAAAAAMAAAAAQAAAAAAAAAAAAAAAAAAAB8AAABUAAAAIis1AP///wEAAAAAAAAAAAAAAAAAAAAAAAAAAAAAAAAAAAAAAAAAAOfm5gN/f38A5+bmA8zMzADAwP8Af39/AAAAAAAAAAAAAAAAAAAAAAAAAAAAIQAAABgAAAAUAAAAbRQAAH4AAADoNgAAPQYAABAAAAAmAAAACAAAAP//////////"/>
               </a:ext>
             </a:extLst>
           </p:cNvSpPr>
@@ -15510,8 +15295,8 @@
               </a:lnSpc>
               <a:defRPr lang="pt-br" cap="none">
                 <a:latin typeface="Arial" pitchFamily="2" charset="0"/>
-                <a:ea typeface="DejaVu Sans" pitchFamily="0" charset="0"/>
-                <a:cs typeface="DejaVu Sans" pitchFamily="0" charset="0"/>
+                <a:ea typeface="DejaVu Sans" charset="0"/>
+                <a:cs typeface="DejaVu Sans" charset="0"/>
               </a:defRPr>
             </a:pPr>
             <a:r>
@@ -15519,9 +15304,9 @@
                 <a:solidFill>
                   <a:srgbClr val="FFFFFF"/>
                 </a:solidFill>
-                <a:latin typeface="Montserrat" pitchFamily="0" charset="0"/>
-                <a:ea typeface="DejaVu Sans" pitchFamily="0" charset="0"/>
-                <a:cs typeface="DejaVu Sans" pitchFamily="0" charset="0"/>
+                <a:latin typeface="Montserrat" charset="0"/>
+                <a:ea typeface="DejaVu Sans" charset="0"/>
+                <a:cs typeface="DejaVu Sans" charset="0"/>
               </a:rPr>
               <a:t>Mão na massa</a:t>
             </a:r>
@@ -15535,7 +15320,7 @@
           <p:cNvSpPr>
             <a:extLst>
               <a:ext uri="smNativeData">
-                <pr:smNativeData xmlns:pr="smNativeData" xmlns="smNativeData" val="SMDATA_15_q5OGZBMAAAAlAAAAZAAAAA0AAAAAjgAAAEcAAACOAAAARwAAAAAAAAAAAAAAAAAAAAEAAABQAAAAAAAAAAAA4D8AAAAAAADgPwAAAAAAAOA/AAAAAAAA4D8AAAAAAADgPwAAAAAAAOA/AAAAAAAA4D8AAAAAAADgPwAAAAAAAOA/AAAAAAAA4D8CAAAAjAAAAAAAAAAAAAAARHLEDP///wgAAAAAAAAAAAAAAAAAAAAAAAAAAAAAAAAAAAAAZAAAAAEAAABAAAAAAAAAAAAAAAAAAAAAAAAAAAAAAAAAAAAAAAAAAAAAAAAAAAAAAAAAAAAAAAAAAAAAAAAAAAAAAAAAAAAAAAAAAAAAAAAAAAAAAAAAAAAAAAAAAAAAFAAAADwAAAAAAAAAAAAAAAAAAAkUAAAAAQAAABQAAAAUAAAAFAAAAAEAAAAAAAAAZAAAAGQAAAAAAAAAZAAAAGQAAAAVAAAAYAAAAAAAAAAAAAAADwAAACADAAAAAAAAAAAAAAEAAACgMgAAVgcAAKr4//8BAAAAf39/AAEAAABkAAAAAAAAABQAAABAHwAAAAAAACYAAAAAAAAAwOD//wAAAAAmAAAAZAAAABYAAABMAAAAAAAAAAAAAAAEAAAAAAAAAAEAAADn5uYKAAAAACgAAAAoAAAAZAAAAGQAAAAAAAAAzMzMAAAAAABQAAAAUAAAAGQAAABkAAAAAAAAABcAAAAUAAAAAAAAAAAAAAD/fwAA/38AAAAAAAAJAAAABAAAAPD///8eAAAAaAAAAAAAAAAAAAAAAAAAAAAAAAAAAAAAECcAABAnAAAAAAAAAAAAAAAAAAAAAAAAAAAAAAAAAAAAAAAAAAAAABQAAAAAAAAAwMD/AAAAAABkAAAAMgAAAAAAAABkAAAAAAAAAH9/fwAKAAAAIgAAABgAAAAAAAAAAAAAAAAAAAAAAAAAAAAAAAAAAAAkAAAAJAAAAAAAAAAHAAAAAAAAAAAAAAAAAAAAAAAAAAAAAAAAAAAAf39/ACUAAABYAAAAAAAAAAAAAAAAAAAAAAAAAAAAAAAAAAAAAAAAAAAAAAAAAAAAAAAAAAAAAAA/AAAAAAAAAKCGAQAAAAAAAAAAAAAAAAAMAAAAAQAAAAAAAAAAAAAAAAAAAB8AAABUAAAARHLEBf///wEAAAAAAAAAAAAAAAAAAAAAAAAAAAAAAAAAAAAAAAAAAAAAAAJ/f38A5+bmA8zMzADAwP8Af39/AAAAAAAAAAAAAAAAAAAAAAAAAAAAIQAAABgAAAAUAAAASAMAABcQAACgIwAAGRoAABAAAAAmAAAACAAAAP//////////"/>
+                <pr:smNativeData xmlns="smNativeData" xmlns:pr="smNativeData" xmlns:p15="http://schemas.microsoft.com/office/powerpoint/2012/main" xmlns:p14="http://schemas.microsoft.com/office/powerpoint/2010/main" xmlns:mc="http://schemas.openxmlformats.org/markup-compatibility/2006" val="SMDATA_15_q5OGZBMAAAAlAAAAZAAAAA0AAAAAjgAAAEcAAACOAAAARwAAAAAAAAAAAAAAAAAAAAEAAABQAAAAAAAAAAAA4D8AAAAAAADgPwAAAAAAAOA/AAAAAAAA4D8AAAAAAADgPwAAAAAAAOA/AAAAAAAA4D8AAAAAAADgPwAAAAAAAOA/AAAAAAAA4D8CAAAAjAAAAAAAAAAAAAAARHLEDP///wgAAAAAAAAAAAAAAAAAAAAAAAAAAAAAAAAAAAAAZAAAAAEAAABAAAAAAAAAAAAAAAAAAAAAAAAAAAAAAAAAAAAAAAAAAAAAAAAAAAAAAAAAAAAAAAAAAAAAAAAAAAAAAAAAAAAAAAAAAAAAAAAAAAAAAAAAAAAAAAAAAAAAFAAAADwAAAAAAAAAAAAAAAAAAAkUAAAAAQAAABQAAAAUAAAAFAAAAAEAAAAAAAAAZAAAAGQAAAAAAAAAZAAAAGQAAAAVAAAAYAAAAAAAAAAAAAAADwAAACADAAAAAAAAAAAAAAEAAACgMgAAVgcAAKr4//8BAAAAf39/AAEAAABkAAAAAAAAABQAAABAHwAAAAAAACYAAAAAAAAAwOD//wAAAAAmAAAAZAAAABYAAABMAAAAAAAAAAAAAAAEAAAAAAAAAAEAAADn5uYKAAAAACgAAAAoAAAAZAAAAGQAAAAAAAAAzMzMAAAAAABQAAAAUAAAAGQAAABkAAAAAAAAABcAAAAUAAAAAAAAAAAAAAD/fwAA/38AAAAAAAAJAAAABAAAAPD///8eAAAAaAAAAAAAAAAAAAAAAAAAAAAAAAAAAAAAECcAABAnAAAAAAAAAAAAAAAAAAAAAAAAAAAAAAAAAAAAAAAAAAAAABQAAAAAAAAAwMD/AAAAAABkAAAAMgAAAAAAAABkAAAAAAAAAH9/fwAKAAAAIgAAABgAAAAAAAAAAAAAAAAAAAAAAAAAAAAAAAAAAAAkAAAAJAAAAAAAAAAHAAAAAAAAAAAAAAAAAAAAAAAAAAAAAAAAAAAAf39/ACUAAABYAAAAAAAAAAAAAAAAAAAAAAAAAAAAAAAAAAAAAAAAAAAAAAAAAAAAAAAAAAAAAAA/AAAAAAAAAKCGAQAAAAAAAAAAAAAAAAAMAAAAAQAAAAAAAAAAAAAAAAAAAB8AAABUAAAARHLEBf///wEAAAAAAAAAAAAAAAAAAAAAAAAAAAAAAAAAAAAAAAAAAAAAAAJ/f38A5+bmA8zMzADAwP8Af39/AAAAAAAAAAAAAAAAAAAAAAAAAAAAIQAAABgAAAAUAAAASAMAABcQAACgIwAAGRoAABAAAAAmAAAACAAAAP//////////"/>
               </a:ext>
             </a:extLst>
           </p:cNvSpPr>
@@ -15570,11 +15355,6 @@
               </a:rPr>
               <a:t>Exercício 3: Encapsulamento</a:t>
             </a:r>
-            <a:endParaRPr lang="pt-br" cap="none">
-              <a:solidFill>
-                <a:schemeClr val="bg1"/>
-              </a:solidFill>
-            </a:endParaRPr>
           </a:p>
           <a:p>
             <a:pPr>
@@ -15588,11 +15368,6 @@
               </a:rPr>
               <a:t>Modifique a classe Pessoa do primeiro exercício para tornar as propriedades nome e idade privadas. </a:t>
             </a:r>
-            <a:endParaRPr lang="pt-br" cap="none">
-              <a:solidFill>
-                <a:schemeClr val="bg1"/>
-              </a:solidFill>
-            </a:endParaRPr>
           </a:p>
           <a:p>
             <a:pPr>
@@ -15618,7 +15393,7 @@
           <p:cNvPicPr>
             <a:extLst>
               <a:ext uri="smNativeData">
-                <pr:smNativeData xmlns:pr="smNativeData" xmlns="smNativeData" val="SMDATA_17_q5OGZBMAAAAlAAAAEQAAAA0AAAAAkAAAAEgAAACQAAAASAAAAAAAAAAAAAAAAAAAAAEAAABQAAAAAAAAAAAA4D8AAAAAAADgPwAAAAAAAOA/AAAAAAAA4D8AAAAAAADgPwAAAAAAAOA/AAAAAAAA4D8AAAAAAADgPwAAAAAAAOA/AAAAAAAA4D8CAAAAjAAAAAAAAAAAAAAARHLEDP///wgAAAAAAAAAAAAAAAAAAAAAAAAAAAAAAAAAAAAAZAAAAAEAAABAAAAAAAAAAAAAAAAAAAAAAAAAAAAAAAAAAAAAAAAAAAAAAAAAAAAAAAAAAAAAAAAAAAAAAAAAAAAAAAAAAAAAAAAAAAAAAAAAAAAAAAAAAAAAAAAAAAAAFAAAADwAAAAAAAAAAAAAAAAAAAkUAAAAAQAAABQAAAAUAAAAFAAAAAEAAAAAAAAAZAAAAGQAAAAAAAAAZAAAAGQAAAAVAAAAYAAAAAAAAAAAAAAADwAAACADAAAAAAAAAAAAAAEAAACgMgAAVgcAAKr4//8BAAAAf39/AAEAAABkAAAAAAAAABQAAABAHwAAAAAAACYAAAAAAAAAwOD//wAAAAAmAAAAZAAAABYAAABMAAAAAAAAAAAAAAAEAAAAAAAAAAEAAADn5uYKAAAAACgAAAAoAAAAZAAAAGQAAAAAAAAAzMzMAAAAAABQAAAAUAAAAGQAAABkAAAAAAAAAAcAAAA4AAAAAAAAAAAAAAAAAAAA////AAAAAAAAAAAAAAAAAAAAAAAAAAAAAAAAAAAAAABkAAAAZAAAAAAAAAAjAAAABAAAAGQAAAAXAAAAFAAAAAAAAAAAAAAA/38AAP9/AAAAAAAACQAAAAQAAAAEAAAAHgAAAGgAAAAAAAAAAAAAAAAAAAAAAAAAAAAAABAnAAAQJwAAAAAAAAAAAAAAAAAAAAAAAAAAAAAAAAAAAAAAAAAAAAAUAAAAAAAAAMDA/wAAAAAAZAAAADIAAAAAAAAAZAAAAAAAAAB/f38ACgAAACIAAAAYAAAAAAAAAAAAAAAAAAAAAAAAAAAAAAAAAAAAJAAAACQAAAAAAAAABwAAAAAAAAAAAAAAAAAAAAAAAAAAAAAAAAAAAH9/fwAlAAAAWAAAAAAAAAAAAAAAAAAAAAAAAAAAAAAAAAAAAAAAAAAAAAAAAAAAAAAAAAAAAAAAPwAAAAAAAACghgEAAAAAAAAAAAAAAAAADAAAAAEAAAAAAAAAAAAAAAAAAAAfAAAAVAAAAERyxAX///8BAAAAAAAAAAAAAAAAAAAAAAAAAAAAAAAAAAAAAAAAAAAAAAACf39/AOfm5gPMzMwAwMD/AH9/fwAAAAAAAAAAAAAAAAD///8AAAAAACEAAAAYAAAAFAAAAGAnAAA1BwAAqUcAAHwpAAAQAAAAJgAAAAgAAAD//////////w=="/>
+                <pr:smNativeData xmlns="smNativeData" xmlns:pr="smNativeData" xmlns:p15="http://schemas.microsoft.com/office/powerpoint/2012/main" xmlns:p14="http://schemas.microsoft.com/office/powerpoint/2010/main" xmlns:mc="http://schemas.openxmlformats.org/markup-compatibility/2006" val="SMDATA_17_q5OGZBMAAAAlAAAAEQAAAA0AAAAAkAAAAEgAAACQAAAASAAAAAAAAAAAAAAAAAAAAAEAAABQAAAAAAAAAAAA4D8AAAAAAADgPwAAAAAAAOA/AAAAAAAA4D8AAAAAAADgPwAAAAAAAOA/AAAAAAAA4D8AAAAAAADgPwAAAAAAAOA/AAAAAAAA4D8CAAAAjAAAAAAAAAAAAAAARHLEDP///wgAAAAAAAAAAAAAAAAAAAAAAAAAAAAAAAAAAAAAZAAAAAEAAABAAAAAAAAAAAAAAAAAAAAAAAAAAAAAAAAAAAAAAAAAAAAAAAAAAAAAAAAAAAAAAAAAAAAAAAAAAAAAAAAAAAAAAAAAAAAAAAAAAAAAAAAAAAAAAAAAAAAAFAAAADwAAAAAAAAAAAAAAAAAAAkUAAAAAQAAABQAAAAUAAAAFAAAAAEAAAAAAAAAZAAAAGQAAAAAAAAAZAAAAGQAAAAVAAAAYAAAAAAAAAAAAAAADwAAACADAAAAAAAAAAAAAAEAAACgMgAAVgcAAKr4//8BAAAAf39/AAEAAABkAAAAAAAAABQAAABAHwAAAAAAACYAAAAAAAAAwOD//wAAAAAmAAAAZAAAABYAAABMAAAAAAAAAAAAAAAEAAAAAAAAAAEAAADn5uYKAAAAACgAAAAoAAAAZAAAAGQAAAAAAAAAzMzMAAAAAABQAAAAUAAAAGQAAABkAAAAAAAAAAcAAAA4AAAAAAAAAAAAAAAAAAAA////AAAAAAAAAAAAAAAAAAAAAAAAAAAAAAAAAAAAAABkAAAAZAAAAAAAAAAjAAAABAAAAGQAAAAXAAAAFAAAAAAAAAAAAAAA/38AAP9/AAAAAAAACQAAAAQAAAAEAAAAHgAAAGgAAAAAAAAAAAAAAAAAAAAAAAAAAAAAABAnAAAQJwAAAAAAAAAAAAAAAAAAAAAAAAAAAAAAAAAAAAAAAAAAAAAUAAAAAAAAAMDA/wAAAAAAZAAAADIAAAAAAAAAZAAAAAAAAAB/f38ACgAAACIAAAAYAAAAAAAAAAAAAAAAAAAAAAAAAAAAAAAAAAAAJAAAACQAAAAAAAAABwAAAAAAAAAAAAAAAAAAAAAAAAAAAAAAAAAAAH9/fwAlAAAAWAAAAAAAAAAAAAAAAAAAAAAAAAAAAAAAAAAAAAAAAAAAAAAAAAAAAAAAAAAAAAAAPwAAAAAAAACghgEAAAAAAAAAAAAAAAAADAAAAAEAAAAAAAAAAAAAAAAAAAAfAAAAVAAAAERyxAX///8BAAAAAAAAAAAAAAAAAAAAAAAAAAAAAAAAAAAAAAAAAAAAAAACf39/AOfm5gPMzMwAwMD/AH9/fwAAAAAAAAAAAAAAAAD///8AAAAAACEAAAAYAAAAFAAAAGAnAAA1BwAAqUcAAHwpAAAQAAAAJgAAAAgAAAD//////////w=="/>
               </a:ext>
             </a:extLst>
           </p:cNvPicPr>
@@ -15650,18 +15425,11 @@
   <p:clrMapOvr>
     <a:masterClrMapping/>
   </p:clrMapOvr>
-  <p:timing>
-    <p:tnLst>
-      <p:par>
-        <p:cTn id="1" dur="indefinite" restart="never" nodeType="tmRoot"/>
-      </p:par>
-    </p:tnLst>
-  </p:timing>
 </p:sld>
 </file>
 
 <file path=ppt/slides/slide26.xml><?xml version="1.0" encoding="utf-8"?>
-<p:sld xmlns:p="http://schemas.openxmlformats.org/presentationml/2006/main" xmlns:mc="http://schemas.openxmlformats.org/markup-compatibility/2006" xmlns:p14="http://schemas.microsoft.com/office/powerpoint/2010/main" xmlns:p15="http://schemas.microsoft.com/office/powerpoint/2012/main" xmlns:r="http://schemas.openxmlformats.org/officeDocument/2006/relationships" xmlns:a="http://schemas.openxmlformats.org/drawingml/2006/main" mc:Ignorable="p14">
+<p:sld xmlns:a="http://schemas.openxmlformats.org/drawingml/2006/main" xmlns:r="http://schemas.openxmlformats.org/officeDocument/2006/relationships" xmlns:p="http://schemas.openxmlformats.org/presentationml/2006/main">
   <p:cSld>
     <p:bg>
       <p:bgPr>
@@ -15691,7 +15459,7 @@
           <p:cNvSpPr>
             <a:extLst>
               <a:ext uri="smNativeData">
-                <pr:smNativeData xmlns:pr="smNativeData" xmlns="smNativeData" val="SMDATA_15_q5OGZBMAAAAlAAAAqgAAAA0AAAAAkAAAAEgAAACQAAAASAAAAAAAAAAAAAAAAAAAAAEAAABQAAAAda9fBcX/xz8AAAAAAADgPwAAAAAAAOA/AAAAAAAA4D8AAAAAAADgPwAAAAAAAOA/AAAAAAAA4D8AAAAAAADgPwAAAAAAAOA/AAAAAAAA4D8CAAAAjAAAAAEAAAAAAAAANEBQAP///wgAAAAAAAAAAAAAAAAAAAAAAAAAAAAAAAAAAAAAZAAAAAEAAABAAAAAAAAAAAAAAAAAAAAAAAAAAAAAAAAAAAAAAAAAAAAAAAAAAAAAAAAAAAAAAAAAAAAAAAAAAAAAAAAAAAAAAAAAAAAAAAAAAAAAAAAAAAAAAAAAAAAAFAAAADwAAAABAAAAAAAAAP///wgoAAAAAQAAABQAAAAUAAAAFAAAAAEAAAAAAAAAZAAAAGQAAAAAAAAAZAAAAGQAAAAVAAAAYAAAAAAAAAAAAAAADwAAACADAAAAAAAAAAAAAAEAAACgMgAAVgcAAKr4//8BAAAAf39/AAEAAABkAAAAAAAAABQAAABAHwAAAAAAACYAAAAAAAAAwOD//wAAAAAmAAAAZAAAABYAAABMAAAAAAAAAAAAAAAEAAAAAAAAAAEAAADn5uYKAAAAACgAAAAoAAAAZAAAAGQAAAAAAAAAzMzMAAAAAABQAAAAUAAAAGQAAABkAAAAAAAAABcAAAAUAAAAAAAAAAAAAAD/fwAA/38AAAAAAAAJAAAABAAAAPn///8eAAAAaAAAAAAAAAAAAAAAAAAAAAAAAAAAAAAAECcAABAnAAAAAAAAAAAAAAAAAAAAAAAAAAAAAAAAAAAAAAAAAAAAABQAAAAAAAAAwMD/AAAAAABkAAAAMgAAAAAAAABkAAAAAAAAAH9/fwAKAAAAIgAAABgAAAAAAAAAAAAAAAAAAAAAAAAAAAAAAAAAAAAkAAAAJAAAAAAAAAAHAAAAAAAAAAAAAAAAAAAAAAAAAAAAAAAAAAAAf39/ACUAAABYAAAAAAAAAAAAAAAAAAAAAAAAAAAAAAAAAAAAAAAAAAAAAAAAAAAAAAAAAAAAAAA/AAAAAAAAAKCGAQAAAAAAAAAAAAAAAAAMAAAAAQAAAAAAAAAAAAAAAAAAAB8AAABUAAAANEBQAP///wEAAAAAAAAAAAAAAAAAAAAAAAAAAAAAAAAAAAAAAAAAAP///wF/f38A5+bmA8zMzADAwP8Af39/AAAAAAAAAAAAAAAAAAAAAAAAAAAAIQAAABgAAAAUAAAAAQAAAAEAAAAASwAAMCoAABAAAAAmAAAACAAAAP//////////"/>
+                <pr:smNativeData xmlns="smNativeData" xmlns:pr="smNativeData" xmlns:p15="http://schemas.microsoft.com/office/powerpoint/2012/main" xmlns:p14="http://schemas.microsoft.com/office/powerpoint/2010/main" xmlns:mc="http://schemas.openxmlformats.org/markup-compatibility/2006" val="SMDATA_15_q5OGZBMAAAAlAAAAqgAAAA0AAAAAkAAAAEgAAACQAAAASAAAAAAAAAAAAAAAAAAAAAEAAABQAAAAda9fBcX/xz8AAAAAAADgPwAAAAAAAOA/AAAAAAAA4D8AAAAAAADgPwAAAAAAAOA/AAAAAAAA4D8AAAAAAADgPwAAAAAAAOA/AAAAAAAA4D8CAAAAjAAAAAEAAAAAAAAANEBQAP///wgAAAAAAAAAAAAAAAAAAAAAAAAAAAAAAAAAAAAAZAAAAAEAAABAAAAAAAAAAAAAAAAAAAAAAAAAAAAAAAAAAAAAAAAAAAAAAAAAAAAAAAAAAAAAAAAAAAAAAAAAAAAAAAAAAAAAAAAAAAAAAAAAAAAAAAAAAAAAAAAAAAAAFAAAADwAAAABAAAAAAAAAP///wgoAAAAAQAAABQAAAAUAAAAFAAAAAEAAAAAAAAAZAAAAGQAAAAAAAAAZAAAAGQAAAAVAAAAYAAAAAAAAAAAAAAADwAAACADAAAAAAAAAAAAAAEAAACgMgAAVgcAAKr4//8BAAAAf39/AAEAAABkAAAAAAAAABQAAABAHwAAAAAAACYAAAAAAAAAwOD//wAAAAAmAAAAZAAAABYAAABMAAAAAAAAAAAAAAAEAAAAAAAAAAEAAADn5uYKAAAAACgAAAAoAAAAZAAAAGQAAAAAAAAAzMzMAAAAAABQAAAAUAAAAGQAAABkAAAAAAAAABcAAAAUAAAAAAAAAAAAAAD/fwAA/38AAAAAAAAJAAAABAAAAPn///8eAAAAaAAAAAAAAAAAAAAAAAAAAAAAAAAAAAAAECcAABAnAAAAAAAAAAAAAAAAAAAAAAAAAAAAAAAAAAAAAAAAAAAAABQAAAAAAAAAwMD/AAAAAABkAAAAMgAAAAAAAABkAAAAAAAAAH9/fwAKAAAAIgAAABgAAAAAAAAAAAAAAAAAAAAAAAAAAAAAAAAAAAAkAAAAJAAAAAAAAAAHAAAAAAAAAAAAAAAAAAAAAAAAAAAAAAAAAAAAf39/ACUAAABYAAAAAAAAAAAAAAAAAAAAAAAAAAAAAAAAAAAAAAAAAAAAAAAAAAAAAAAAAAAAAAA/AAAAAAAAAKCGAQAAAAAAAAAAAAAAAAAMAAAAAQAAAAAAAAAAAAAAAAAAAB8AAABUAAAANEBQAP///wEAAAAAAAAAAAAAAAAAAAAAAAAAAAAAAAAAAAAAAAAAAP///wF/f38A5+bmA8zMzADAwP8Af39/AAAAAAAAAAAAAAAAAAAAAAAAAAAAIQAAABgAAAAUAAAAAQAAAAEAAAAASwAAMCoAABAAAAAmAAAACAAAAP//////////"/>
               </a:ext>
             </a:extLst>
           </p:cNvSpPr>
@@ -15727,7 +15495,7 @@
           <p:cNvSpPr>
             <a:extLst>
               <a:ext uri="smNativeData">
-                <pr:smNativeData xmlns:pr="smNativeData" xmlns="smNativeData" val="SMDATA_15_q5OGZBMAAAAlAAAAZAAAAA0AAAAAjgAAAEcAAACOAAAARwAAAAAAAAABAAAAAAAAAAEAAABQAAAAAAAAAAAA4D8AAAAAAADgPwAAAAAAAOA/AAAAAAAA4D8AAAAAAADgPwAAAAAAAOA/AAAAAAAA4D8AAAAAAADgPwAAAAAAAOA/AAAAAAAA4D8CAAAAjAAAAAEAAAAAAAAAIis1AP///wgAAAAAAAAAAAAAAAAAAAAAAAAAAAAAAAAAAAAAZAAAAAEAAABAAAAAAAAAAAAAAAAAAAAAAAAAAAAAAAAAAAAAAAAAAAAAAAAAAAAAAAAAAAAAAAAAAAAAAAAAAAAAAAAAAAAAAAAAAAAAAAAAAAAAAAAAAAAAAAAAAAAAFAAAADwAAAABAAAAAAAAAOfm5gooAAAAAQAAABQAAAAUAAAAFAAAAAEAAAAAAAAAZAAAAGQAAAAAAAAAZAAAAGQAAAAVAAAAYAAAAAAAAAAAAAAADwAAACADAAAAAAAAAAAAAAEAAACgMgAAVgcAAKr4//8BAAAAf39/AAEAAABkAAAAAAAAABQAAABAHwAAAAAAACYAAAAAAAAAwOD//wAAAAAmAAAAZAAAABYAAABMAAAAAAAAAAAAAAAEAAAAAAAAAAEAAADn5uYKAAAAACgAAAAoAAAAZAAAAGQAAAAAAAAAzMzMAAAAAABQAAAAUAAAAGQAAABkAAAAAAAAABcAAAAUAAAAAAAAAAAAAAD/fwAA/38AAAAAAAAJAAAABAAAAPr///8eAAAAaAAAAAAAAAAAAAAAAAAAAAAAAAAAAAAAECcAABAnAAAAAAAAAAAAAAAAAAAAAAAAAAAAAAAAAAAAAAAAAAAAABQAAAAAAAAAwMD/AAAAAABkAAAAMgAAAAAAAABkAAAAAAAAAH9/fwAKAAAAIgAAABgAAAAAAAAAAAAAAAAAAAAAAAAAAAAAAAAAAAAkAAAAJAAAAAAAAAAHAAAAAAAAAAAAAAAAAAAAAAAAAAAAAAAAAAAAf39/ACUAAABYAAAAAAAAAAAAAAAAAAAAAAAAAAAAAAAAAAAAAAAAAAAAAAAAAAAAAAAAAAAAAAA/AAAAAAAAAKCGAQAAAAAAAAAAAAAAAAAMAAAAAQAAAAAAAAAAAAAAAAAAAB8AAABUAAAAIis1AP///wEAAAAAAAAAAAAAAAAAAAAAAAAAAAAAAAAAAAAAAAAAAOfm5gN/f38A5+bmA8zMzADAwP8Af39/AAAAAAAAAAAAAAAAAAAAAAAAAAAAIQAAABgAAAAUAAAAbRQAAH4AAADoNgAAPQYAABAAAAAmAAAACAAAAP//////////"/>
+                <pr:smNativeData xmlns="smNativeData" xmlns:pr="smNativeData" xmlns:p15="http://schemas.microsoft.com/office/powerpoint/2012/main" xmlns:p14="http://schemas.microsoft.com/office/powerpoint/2010/main" xmlns:mc="http://schemas.openxmlformats.org/markup-compatibility/2006" val="SMDATA_15_q5OGZBMAAAAlAAAAZAAAAA0AAAAAjgAAAEcAAACOAAAARwAAAAAAAAABAAAAAAAAAAEAAABQAAAAAAAAAAAA4D8AAAAAAADgPwAAAAAAAOA/AAAAAAAA4D8AAAAAAADgPwAAAAAAAOA/AAAAAAAA4D8AAAAAAADgPwAAAAAAAOA/AAAAAAAA4D8CAAAAjAAAAAEAAAAAAAAAIis1AP///wgAAAAAAAAAAAAAAAAAAAAAAAAAAAAAAAAAAAAAZAAAAAEAAABAAAAAAAAAAAAAAAAAAAAAAAAAAAAAAAAAAAAAAAAAAAAAAAAAAAAAAAAAAAAAAAAAAAAAAAAAAAAAAAAAAAAAAAAAAAAAAAAAAAAAAAAAAAAAAAAAAAAAFAAAADwAAAABAAAAAAAAAOfm5gooAAAAAQAAABQAAAAUAAAAFAAAAAEAAAAAAAAAZAAAAGQAAAAAAAAAZAAAAGQAAAAVAAAAYAAAAAAAAAAAAAAADwAAACADAAAAAAAAAAAAAAEAAACgMgAAVgcAAKr4//8BAAAAf39/AAEAAABkAAAAAAAAABQAAABAHwAAAAAAACYAAAAAAAAAwOD//wAAAAAmAAAAZAAAABYAAABMAAAAAAAAAAAAAAAEAAAAAAAAAAEAAADn5uYKAAAAACgAAAAoAAAAZAAAAGQAAAAAAAAAzMzMAAAAAABQAAAAUAAAAGQAAABkAAAAAAAAABcAAAAUAAAAAAAAAAAAAAD/fwAA/38AAAAAAAAJAAAABAAAAPr///8eAAAAaAAAAAAAAAAAAAAAAAAAAAAAAAAAAAAAECcAABAnAAAAAAAAAAAAAAAAAAAAAAAAAAAAAAAAAAAAAAAAAAAAABQAAAAAAAAAwMD/AAAAAABkAAAAMgAAAAAAAABkAAAAAAAAAH9/fwAKAAAAIgAAABgAAAAAAAAAAAAAAAAAAAAAAAAAAAAAAAAAAAAkAAAAJAAAAAAAAAAHAAAAAAAAAAAAAAAAAAAAAAAAAAAAAAAAAAAAf39/ACUAAABYAAAAAAAAAAAAAAAAAAAAAAAAAAAAAAAAAAAAAAAAAAAAAAAAAAAAAAAAAAAAAAA/AAAAAAAAAKCGAQAAAAAAAAAAAAAAAAAMAAAAAQAAAAAAAAAAAAAAAAAAAB8AAABUAAAAIis1AP///wEAAAAAAAAAAAAAAAAAAAAAAAAAAAAAAAAAAAAAAAAAAOfm5gN/f38A5+bmA8zMzADAwP8Af39/AAAAAAAAAAAAAAAAAAAAAAAAAAAAIQAAABgAAAAUAAAAbRQAAH4AAADoNgAAPQYAABAAAAAmAAAACAAAAP//////////"/>
               </a:ext>
             </a:extLst>
           </p:cNvSpPr>
@@ -15764,8 +15532,8 @@
               </a:lnSpc>
               <a:defRPr lang="pt-br" cap="none">
                 <a:latin typeface="Arial" pitchFamily="2" charset="0"/>
-                <a:ea typeface="DejaVu Sans" pitchFamily="0" charset="0"/>
-                <a:cs typeface="DejaVu Sans" pitchFamily="0" charset="0"/>
+                <a:ea typeface="DejaVu Sans" charset="0"/>
+                <a:cs typeface="DejaVu Sans" charset="0"/>
               </a:defRPr>
             </a:pPr>
             <a:r>
@@ -15773,9 +15541,9 @@
                 <a:solidFill>
                   <a:srgbClr val="FFFFFF"/>
                 </a:solidFill>
-                <a:latin typeface="Montserrat" pitchFamily="0" charset="0"/>
-                <a:ea typeface="DejaVu Sans" pitchFamily="0" charset="0"/>
-                <a:cs typeface="DejaVu Sans" pitchFamily="0" charset="0"/>
+                <a:latin typeface="Montserrat" charset="0"/>
+                <a:ea typeface="DejaVu Sans" charset="0"/>
+                <a:cs typeface="DejaVu Sans" charset="0"/>
               </a:rPr>
               <a:t>Mão na massa</a:t>
             </a:r>
@@ -15789,7 +15557,7 @@
           <p:cNvSpPr>
             <a:extLst>
               <a:ext uri="smNativeData">
-                <pr:smNativeData xmlns:pr="smNativeData" xmlns="smNativeData" val="SMDATA_15_q5OGZBMAAAAlAAAAZAAAAA0AAAAAjgAAAEcAAACOAAAARwAAAAAAAAAAAAAAAAAAAAEAAABQAAAAAAAAAAAA4D8AAAAAAADgPwAAAAAAAOA/AAAAAAAA4D8AAAAAAADgPwAAAAAAAOA/AAAAAAAA4D8AAAAAAADgPwAAAAAAAOA/AAAAAAAA4D8CAAAAjAAAAAAAAAAAAAAARHLEDP///wgAAAAAAAAAAAAAAAAAAAAAAAAAAAAAAAAAAAAAZAAAAAEAAABAAAAAAAAAAAAAAAAAAAAAAAAAAAAAAAAAAAAAAAAAAAAAAAAAAAAAAAAAAAAAAAAAAAAAAAAAAAAAAAAAAAAAAAAAAAAAAAAAAAAAAAAAAAAAAAAAAAAAFAAAADwAAAAAAAAAAAAAAAAAAAkUAAAAAQAAABQAAAAUAAAAFAAAAAEAAAAAAAAAZAAAAGQAAAAAAAAAZAAAAGQAAAAVAAAAYAAAAAAAAAAAAAAADwAAACADAAAAAAAAAAAAAAEAAACgMgAAVgcAAKr4//8BAAAAf39/AAEAAABkAAAAAAAAABQAAABAHwAAAAAAACYAAAAAAAAAwOD//wAAAAAmAAAAZAAAABYAAABMAAAAAAAAAAAAAAAEAAAAAAAAAAEAAADn5uYKAAAAACgAAAAoAAAAZAAAAGQAAAAAAAAAzMzMAAAAAABQAAAAUAAAAGQAAABkAAAAAAAAABcAAAAUAAAAAAAAAAAAAAD/fwAA/38AAAAAAAAJAAAABAAAAP3///8eAAAAaAAAAAAAAAAAAAAAAAAAAAAAAAAAAAAAECcAABAnAAAAAAAAAAAAAAAAAAAAAAAAAAAAAAAAAAAAAAAAAAAAABQAAAAAAAAAwMD/AAAAAABkAAAAMgAAAAAAAABkAAAAAAAAAH9/fwAKAAAAIgAAABgAAAAAAAAAAAAAAAAAAAAAAAAAAAAAAAAAAAAkAAAAJAAAAAAAAAAHAAAAAAAAAAAAAAAAAAAAAAAAAAAAAAAAAAAAf39/ACUAAABYAAAAAAAAAAAAAAAAAAAAAAAAAAAAAAAAAAAAAAAAAAAAAAAAAAAAAAAAAAAAAAA/AAAAAAAAAKCGAQAAAAAAAAAAAAAAAAAMAAAAAQAAAAAAAAAAAAAAAAAAAB8AAABUAAAARHLEBf///wEAAAAAAAAAAAAAAAAAAAAAAAAAAAAAAAAAAAAAAAAAAAAAAAJ/f38A5+bmA8zMzADAwP8Af39/AAAAAAAAAAAAAAAAAAAAAAAAAAAAIQAAABgAAAAUAAAA6AIAAOEQAABAIwAAlx8AABAAAAAmAAAACAAAAP//////////"/>
+                <pr:smNativeData xmlns="smNativeData" xmlns:pr="smNativeData" xmlns:p15="http://schemas.microsoft.com/office/powerpoint/2012/main" xmlns:p14="http://schemas.microsoft.com/office/powerpoint/2010/main" xmlns:mc="http://schemas.openxmlformats.org/markup-compatibility/2006" val="SMDATA_15_q5OGZBMAAAAlAAAAZAAAAA0AAAAAjgAAAEcAAACOAAAARwAAAAAAAAAAAAAAAAAAAAEAAABQAAAAAAAAAAAA4D8AAAAAAADgPwAAAAAAAOA/AAAAAAAA4D8AAAAAAADgPwAAAAAAAOA/AAAAAAAA4D8AAAAAAADgPwAAAAAAAOA/AAAAAAAA4D8CAAAAjAAAAAAAAAAAAAAARHLEDP///wgAAAAAAAAAAAAAAAAAAAAAAAAAAAAAAAAAAAAAZAAAAAEAAABAAAAAAAAAAAAAAAAAAAAAAAAAAAAAAAAAAAAAAAAAAAAAAAAAAAAAAAAAAAAAAAAAAAAAAAAAAAAAAAAAAAAAAAAAAAAAAAAAAAAAAAAAAAAAAAAAAAAAFAAAADwAAAAAAAAAAAAAAAAAAAkUAAAAAQAAABQAAAAUAAAAFAAAAAEAAAAAAAAAZAAAAGQAAAAAAAAAZAAAAGQAAAAVAAAAYAAAAAAAAAAAAAAADwAAACADAAAAAAAAAAAAAAEAAACgMgAAVgcAAKr4//8BAAAAf39/AAEAAABkAAAAAAAAABQAAABAHwAAAAAAACYAAAAAAAAAwOD//wAAAAAmAAAAZAAAABYAAABMAAAAAAAAAAAAAAAEAAAAAAAAAAEAAADn5uYKAAAAACgAAAAoAAAAZAAAAGQAAAAAAAAAzMzMAAAAAABQAAAAUAAAAGQAAABkAAAAAAAAABcAAAAUAAAAAAAAAAAAAAD/fwAA/38AAAAAAAAJAAAABAAAAP3///8eAAAAaAAAAAAAAAAAAAAAAAAAAAAAAAAAAAAAECcAABAnAAAAAAAAAAAAAAAAAAAAAAAAAAAAAAAAAAAAAAAAAAAAABQAAAAAAAAAwMD/AAAAAABkAAAAMgAAAAAAAABkAAAAAAAAAH9/fwAKAAAAIgAAABgAAAAAAAAAAAAAAAAAAAAAAAAAAAAAAAAAAAAkAAAAJAAAAAAAAAAHAAAAAAAAAAAAAAAAAAAAAAAAAAAAAAAAAAAAf39/ACUAAABYAAAAAAAAAAAAAAAAAAAAAAAAAAAAAAAAAAAAAAAAAAAAAAAAAAAAAAAAAAAAAAA/AAAAAAAAAKCGAQAAAAAAAAAAAAAAAAAMAAAAAQAAAAAAAAAAAAAAAAAAAB8AAABUAAAARHLEBf///wEAAAAAAAAAAAAAAAAAAAAAAAAAAAAAAAAAAAAAAAAAAAAAAAJ/f38A5+bmA8zMzADAwP8Af39/AAAAAAAAAAAAAAAAAAAAAAAAAAAAIQAAABgAAAAUAAAA6AIAAOEQAABAIwAAlx8AABAAAAAmAAAACAAAAP//////////"/>
               </a:ext>
             </a:extLst>
           </p:cNvSpPr>
@@ -15824,11 +15592,6 @@
               </a:rPr>
               <a:t>Exercício 4: Polimorfismo</a:t>
             </a:r>
-            <a:endParaRPr lang="pt-br" cap="none">
-              <a:solidFill>
-                <a:schemeClr val="bg1"/>
-              </a:solidFill>
-            </a:endParaRPr>
           </a:p>
           <a:p>
             <a:pPr>
@@ -15842,11 +15605,6 @@
               </a:rPr>
               <a:t>Crie uma classe chamada Animal que tenha um método chamado emitirSom. </a:t>
             </a:r>
-            <a:endParaRPr lang="pt-br" cap="none">
-              <a:solidFill>
-                <a:schemeClr val="bg1"/>
-              </a:solidFill>
-            </a:endParaRPr>
           </a:p>
           <a:p>
             <a:pPr>
@@ -15860,11 +15618,6 @@
               </a:rPr>
               <a:t>Em seguida, crie classes derivadas de Animal chamadas Cachorro e Gato, que sobrescrevam o método emitirSom para exibir "Au au!" e "Miau!" respectivamente.</a:t>
             </a:r>
-            <a:endParaRPr lang="pt-br" cap="none">
-              <a:solidFill>
-                <a:schemeClr val="bg1"/>
-              </a:solidFill>
-            </a:endParaRPr>
           </a:p>
         </p:txBody>
       </p:sp>
@@ -15874,7 +15627,7 @@
           <p:cNvPicPr>
             <a:extLst>
               <a:ext uri="smNativeData">
-                <pr:smNativeData xmlns:pr="smNativeData" xmlns="smNativeData" val="SMDATA_17_q5OGZBMAAAAlAAAAEQAAAA0AAAAAkAAAAEgAAACQAAAASAAAAAAAAAAAAAAAAAAAAAEAAABQAAAAAAAAAAAA4D8AAAAAAADgPwAAAAAAAOA/AAAAAAAA4D8AAAAAAADgPwAAAAAAAOA/AAAAAAAA4D8AAAAAAADgPwAAAAAAAOA/AAAAAAAA4D8CAAAAjAAAAAAAAAAAAAAARHLEDP///wgAAAAAAAAAAAAAAAAAAAAAAAAAAAAAAAAAAAAAZAAAAAEAAABAAAAAAAAAAAAAAAAAAAAAAAAAAAAAAAAAAAAAAAAAAAAAAAAAAAAAAAAAAAAAAAAAAAAAAAAAAAAAAAAAAAAAAAAAAAAAAAAAAAAAAAAAAAAAAAAAAAAAFAAAADwAAAAAAAAAAAAAAAAAAAkUAAAAAQAAABQAAAAUAAAAFAAAAAEAAAAAAAAAZAAAAGQAAAAAAAAAZAAAAGQAAAAVAAAAYAAAAAAAAAAAAAAADwAAACADAAAAAAAAAAAAAAEAAACgMgAAVgcAAKr4//8BAAAAf39/AAEAAABkAAAAAAAAABQAAABAHwAAAAAAACYAAAAAAAAAwOD//wAAAAAmAAAAZAAAABYAAABMAAAAAAAAAAAAAAAEAAAAAAAAAAEAAADn5uYKAAAAACgAAAAoAAAAZAAAAGQAAAAAAAAAzMzMAAAAAABQAAAAUAAAAGQAAABkAAAAAAAAAAcAAAA4AAAAAAAAAAAAAAAAAAAA////AAAAAAAAAAAAAAAAAAAAAAAAAAAAAAAAAAAAAABkAAAAZAAAAAAAAAAjAAAABAAAAGQAAAAXAAAAFAAAAAAAAAAAAAAA/38AAP9/AAAAAAAACQAAAAQAAAABAAAAHgAAAGgAAAAAAAAAAAAAAAAAAAAAAAAAAAAAABAnAAAQJwAAAAAAAAAAAAAAAAAAAAAAAAAAAAAAAAAAAAAAAAAAAAAUAAAAAAAAAMDA/wAAAAAAZAAAADIAAAAAAAAAZAAAAAAAAAB/f38ACgAAACIAAAAYAAAAAAAAAAAAAAAAAAAAAAAAAAAAAAAAAAAAJAAAACQAAAAAAAAABwAAAAAAAAAAAAAAAAAAAAAAAAAAAAAAAAAAAH9/fwAlAAAAWAAAAAAAAAAAAAAAAAAAAAAAAAAAAAAAAAAAAAAAAAAAAAAAAAAAAAAAAAAAAAAAPwAAAAAAAACghgEAAAAAAAAAAAAAAAAADAAAAAEAAAAAAAAAAAAAAAAAAAAfAAAAVAAAAERyxAX///8BAAAAAAAAAAAAAAAAAAAAAAAAAAAAAAAAAAAAAAAAAAAAAAACf39/AOfm5gPMzMwAwMD/AH9/fwAAAAAAAAAAAAAAAAD///8AAAAAACEAAAAYAAAAFAAAAPMoAAAoBwAAPkQAALEoAAAQAAAAJgAAAAgAAAD//////////w=="/>
+                <pr:smNativeData xmlns="smNativeData" xmlns:pr="smNativeData" xmlns:p15="http://schemas.microsoft.com/office/powerpoint/2012/main" xmlns:p14="http://schemas.microsoft.com/office/powerpoint/2010/main" xmlns:mc="http://schemas.openxmlformats.org/markup-compatibility/2006" val="SMDATA_17_q5OGZBMAAAAlAAAAEQAAAA0AAAAAkAAAAEgAAACQAAAASAAAAAAAAAAAAAAAAAAAAAEAAABQAAAAAAAAAAAA4D8AAAAAAADgPwAAAAAAAOA/AAAAAAAA4D8AAAAAAADgPwAAAAAAAOA/AAAAAAAA4D8AAAAAAADgPwAAAAAAAOA/AAAAAAAA4D8CAAAAjAAAAAAAAAAAAAAARHLEDP///wgAAAAAAAAAAAAAAAAAAAAAAAAAAAAAAAAAAAAAZAAAAAEAAABAAAAAAAAAAAAAAAAAAAAAAAAAAAAAAAAAAAAAAAAAAAAAAAAAAAAAAAAAAAAAAAAAAAAAAAAAAAAAAAAAAAAAAAAAAAAAAAAAAAAAAAAAAAAAAAAAAAAAFAAAADwAAAAAAAAAAAAAAAAAAAkUAAAAAQAAABQAAAAUAAAAFAAAAAEAAAAAAAAAZAAAAGQAAAAAAAAAZAAAAGQAAAAVAAAAYAAAAAAAAAAAAAAADwAAACADAAAAAAAAAAAAAAEAAACgMgAAVgcAAKr4//8BAAAAf39/AAEAAABkAAAAAAAAABQAAABAHwAAAAAAACYAAAAAAAAAwOD//wAAAAAmAAAAZAAAABYAAABMAAAAAAAAAAAAAAAEAAAAAAAAAAEAAADn5uYKAAAAACgAAAAoAAAAZAAAAGQAAAAAAAAAzMzMAAAAAABQAAAAUAAAAGQAAABkAAAAAAAAAAcAAAA4AAAAAAAAAAAAAAAAAAAA////AAAAAAAAAAAAAAAAAAAAAAAAAAAAAAAAAAAAAABkAAAAZAAAAAAAAAAjAAAABAAAAGQAAAAXAAAAFAAAAAAAAAAAAAAA/38AAP9/AAAAAAAACQAAAAQAAAABAAAAHgAAAGgAAAAAAAAAAAAAAAAAAAAAAAAAAAAAABAnAAAQJwAAAAAAAAAAAAAAAAAAAAAAAAAAAAAAAAAAAAAAAAAAAAAUAAAAAAAAAMDA/wAAAAAAZAAAADIAAAAAAAAAZAAAAAAAAAB/f38ACgAAACIAAAAYAAAAAAAAAAAAAAAAAAAAAAAAAAAAAAAAAAAAJAAAACQAAAAAAAAABwAAAAAAAAAAAAAAAAAAAAAAAAAAAAAAAAAAAH9/fwAlAAAAWAAAAAAAAAAAAAAAAAAAAAAAAAAAAAAAAAAAAAAAAAAAAAAAAAAAAAAAAAAAAAAAPwAAAAAAAACghgEAAAAAAAAAAAAAAAAADAAAAAEAAAAAAAAAAAAAAAAAAAAfAAAAVAAAAERyxAX///8BAAAAAAAAAAAAAAAAAAAAAAAAAAAAAAAAAAAAAAAAAAAAAAACf39/AOfm5gPMzMwAwMD/AH9/fwAAAAAAAAAAAAAAAAD///8AAAAAACEAAAAYAAAAFAAAAPMoAAAoBwAAPkQAALEoAAAQAAAAJgAAAAgAAAD//////////w=="/>
               </a:ext>
             </a:extLst>
           </p:cNvPicPr>
@@ -15906,18 +15659,11 @@
   <p:clrMapOvr>
     <a:masterClrMapping/>
   </p:clrMapOvr>
-  <p:timing>
-    <p:tnLst>
-      <p:par>
-        <p:cTn id="1" dur="indefinite" restart="never" nodeType="tmRoot"/>
-      </p:par>
-    </p:tnLst>
-  </p:timing>
 </p:sld>
 </file>
 
 <file path=ppt/slides/slide27.xml><?xml version="1.0" encoding="utf-8"?>
-<p:sld xmlns:p="http://schemas.openxmlformats.org/presentationml/2006/main" xmlns:mc="http://schemas.openxmlformats.org/markup-compatibility/2006" xmlns:p14="http://schemas.microsoft.com/office/powerpoint/2010/main" xmlns:p15="http://schemas.microsoft.com/office/powerpoint/2012/main" xmlns:r="http://schemas.openxmlformats.org/officeDocument/2006/relationships" xmlns:a="http://schemas.openxmlformats.org/drawingml/2006/main" mc:Ignorable="p14">
+<p:sld xmlns:a="http://schemas.openxmlformats.org/drawingml/2006/main" xmlns:r="http://schemas.openxmlformats.org/officeDocument/2006/relationships" xmlns:p="http://schemas.openxmlformats.org/presentationml/2006/main">
   <p:cSld>
     <p:bg>
       <p:bgPr>
@@ -15947,7 +15693,7 @@
           <p:cNvSpPr>
             <a:extLst>
               <a:ext uri="smNativeData">
-                <pr:smNativeData xmlns:pr="smNativeData" xmlns="smNativeData" val="SMDATA_15_q5OGZBMAAAAlAAAAqgAAAA0AAAAAkAAAAEgAAACQAAAASAAAAAAAAAAAAAAAAAAAAAEAAABQAAAAda9fBcX/xz8AAAAAAADgPwAAAAAAAOA/AAAAAAAA4D8AAAAAAADgPwAAAAAAAOA/AAAAAAAA4D8AAAAAAADgPwAAAAAAAOA/AAAAAAAA4D8CAAAAjAAAAAEAAAAAAAAANEBQAP///wgAAAAAAAAAAAAAAAAAAAAAAAAAAAAAAAAAAAAAZAAAAAEAAABAAAAAAAAAAAAAAAAAAAAAAAAAAAAAAAAAAAAAAAAAAAAAAAAAAAAAAAAAAAAAAAAAAAAAAAAAAAAAAAAAAAAAAAAAAAAAAAAAAAAAAAAAAAAAAAAAAAAAFAAAADwAAAABAAAAAAAAAP///wgoAAAAAQAAABQAAAAUAAAAFAAAAAEAAAAAAAAAZAAAAGQAAAAAAAAAZAAAAGQAAAAVAAAAYAAAAAAAAAAAAAAADwAAACADAAAAAAAAAAAAAAEAAACgMgAAVgcAAKr4//8BAAAAf39/AAEAAABkAAAAAAAAABQAAABAHwAAAAAAACYAAAAAAAAAwOD//wAAAAAmAAAAZAAAABYAAABMAAAAAAAAAAAAAAAEAAAAAAAAAAEAAADn5uYKAAAAACgAAAAoAAAAZAAAAGQAAAAAAAAAzMzMAAAAAABQAAAAUAAAAGQAAABkAAAAAAAAABcAAAAUAAAAAAAAAAAAAAD/fwAA/38AAAAAAAAJAAAABAAAAOT///8eAAAAaAAAAAAAAAAAAAAAAAAAAAAAAAAAAAAAECcAABAnAAAAAAAAAAAAAAAAAAAAAAAAAAAAAAAAAAAAAAAAAAAAABQAAAAAAAAAwMD/AAAAAABkAAAAMgAAAAAAAABkAAAAAAAAAH9/fwAKAAAAIgAAABgAAAAAAAAAAAAAAAAAAAAAAAAAAAAAAAAAAAAkAAAAJAAAAAAAAAAHAAAAAAAAAAAAAAAAAAAAAAAAAAAAAAAAAAAAf39/ACUAAABYAAAAAAAAAAAAAAAAAAAAAAAAAAAAAAAAAAAAAAAAAAAAAAAAAAAAAAAAAAAAAAA/AAAAAAAAAKCGAQAAAAAAAAAAAAAAAAAMAAAAAQAAAAAAAAAAAAAAAAAAAB8AAABUAAAANEBQAP///wEAAAAAAAAAAAAAAAAAAAAAAAAAAAAAAAAAAAAAAAAAAP///wF/f38A5+bmA8zMzADAwP8Af39/AAAAAAAAAAAAAAAAAAAAAAAAAAAAIQAAABgAAAAUAAAAAQAAAAEAAAAASwAAMCoAABAAAAAmAAAACAAAAP//////////"/>
+                <pr:smNativeData xmlns="smNativeData" xmlns:pr="smNativeData" xmlns:p15="http://schemas.microsoft.com/office/powerpoint/2012/main" xmlns:p14="http://schemas.microsoft.com/office/powerpoint/2010/main" xmlns:mc="http://schemas.openxmlformats.org/markup-compatibility/2006" val="SMDATA_15_q5OGZBMAAAAlAAAAqgAAAA0AAAAAkAAAAEgAAACQAAAASAAAAAAAAAAAAAAAAAAAAAEAAABQAAAAda9fBcX/xz8AAAAAAADgPwAAAAAAAOA/AAAAAAAA4D8AAAAAAADgPwAAAAAAAOA/AAAAAAAA4D8AAAAAAADgPwAAAAAAAOA/AAAAAAAA4D8CAAAAjAAAAAEAAAAAAAAANEBQAP///wgAAAAAAAAAAAAAAAAAAAAAAAAAAAAAAAAAAAAAZAAAAAEAAABAAAAAAAAAAAAAAAAAAAAAAAAAAAAAAAAAAAAAAAAAAAAAAAAAAAAAAAAAAAAAAAAAAAAAAAAAAAAAAAAAAAAAAAAAAAAAAAAAAAAAAAAAAAAAAAAAAAAAFAAAADwAAAABAAAAAAAAAP///wgoAAAAAQAAABQAAAAUAAAAFAAAAAEAAAAAAAAAZAAAAGQAAAAAAAAAZAAAAGQAAAAVAAAAYAAAAAAAAAAAAAAADwAAACADAAAAAAAAAAAAAAEAAACgMgAAVgcAAKr4//8BAAAAf39/AAEAAABkAAAAAAAAABQAAABAHwAAAAAAACYAAAAAAAAAwOD//wAAAAAmAAAAZAAAABYAAABMAAAAAAAAAAAAAAAEAAAAAAAAAAEAAADn5uYKAAAAACgAAAAoAAAAZAAAAGQAAAAAAAAAzMzMAAAAAABQAAAAUAAAAGQAAABkAAAAAAAAABcAAAAUAAAAAAAAAAAAAAD/fwAA/38AAAAAAAAJAAAABAAAAOT///8eAAAAaAAAAAAAAAAAAAAAAAAAAAAAAAAAAAAAECcAABAnAAAAAAAAAAAAAAAAAAAAAAAAAAAAAAAAAAAAAAAAAAAAABQAAAAAAAAAwMD/AAAAAABkAAAAMgAAAAAAAABkAAAAAAAAAH9/fwAKAAAAIgAAABgAAAAAAAAAAAAAAAAAAAAAAAAAAAAAAAAAAAAkAAAAJAAAAAAAAAAHAAAAAAAAAAAAAAAAAAAAAAAAAAAAAAAAAAAAf39/ACUAAABYAAAAAAAAAAAAAAAAAAAAAAAAAAAAAAAAAAAAAAAAAAAAAAAAAAAAAAAAAAAAAAA/AAAAAAAAAKCGAQAAAAAAAAAAAAAAAAAMAAAAAQAAAAAAAAAAAAAAAAAAAB8AAABUAAAANEBQAP///wEAAAAAAAAAAAAAAAAAAAAAAAAAAAAAAAAAAAAAAAAAAP///wF/f38A5+bmA8zMzADAwP8Af39/AAAAAAAAAAAAAAAAAAAAAAAAAAAAIQAAABgAAAAUAAAAAQAAAAEAAAAASwAAMCoAABAAAAAmAAAACAAAAP//////////"/>
               </a:ext>
             </a:extLst>
           </p:cNvSpPr>
@@ -15983,7 +15729,7 @@
           <p:cNvSpPr>
             <a:extLst>
               <a:ext uri="smNativeData">
-                <pr:smNativeData xmlns:pr="smNativeData" xmlns="smNativeData" val="SMDATA_15_q5OGZBMAAAAlAAAAZAAAAA0AAAAAjgAAAEcAAACOAAAARwAAAAAAAAABAAAAAAAAAAEAAABQAAAAAAAAAAAA4D8AAAAAAADgPwAAAAAAAOA/AAAAAAAA4D8AAAAAAADgPwAAAAAAAOA/AAAAAAAA4D8AAAAAAADgPwAAAAAAAOA/AAAAAAAA4D8CAAAAjAAAAAEAAAAAAAAAIis1AP///wgAAAAAAAAAAAAAAAAAAAAAAAAAAAAAAAAAAAAAZAAAAAEAAABAAAAAAAAAAAAAAAAAAAAAAAAAAAAAAAAAAAAAAAAAAAAAAAAAAAAAAAAAAAAAAAAAAAAAAAAAAAAAAAAAAAAAAAAAAAAAAAAAAAAAAAAAAAAAAAAAAAAAFAAAADwAAAABAAAAAAAAAOfm5gooAAAAAQAAABQAAAAUAAAAFAAAAAEAAAAAAAAAZAAAAGQAAAAAAAAAZAAAAGQAAAAVAAAAYAAAAAAAAAAAAAAADwAAACADAAAAAAAAAAAAAAEAAACgMgAAVgcAAKr4//8BAAAAf39/AAEAAABkAAAAAAAAABQAAABAHwAAAAAAACYAAAAAAAAAwOD//wAAAAAmAAAAZAAAABYAAABMAAAAAAAAAAAAAAAEAAAAAAAAAAEAAADn5uYKAAAAACgAAAAoAAAAZAAAAGQAAAAAAAAAzMzMAAAAAABQAAAAUAAAAGQAAABkAAAAAAAAABcAAAAUAAAAAAAAAAAAAAD/fwAA/38AAAAAAAAJAAAABAAAAPj///8eAAAAaAAAAAAAAAAAAAAAAAAAAAAAAAAAAAAAECcAABAnAAAAAAAAAAAAAAAAAAAAAAAAAAAAAAAAAAAAAAAAAAAAABQAAAAAAAAAwMD/AAAAAABkAAAAMgAAAAAAAABkAAAAAAAAAH9/fwAKAAAAIgAAABgAAAAAAAAAAAAAAAAAAAAAAAAAAAAAAAAAAAAkAAAAJAAAAAAAAAAHAAAAAAAAAAAAAAAAAAAAAAAAAAAAAAAAAAAAf39/ACUAAABYAAAAAAAAAAAAAAAAAAAAAAAAAAAAAAAAAAAAAAAAAAAAAAAAAAAAAAAAAAAAAAA/AAAAAAAAAKCGAQAAAAAAAAAAAAAAAAAMAAAAAQAAAAAAAAAAAAAAAAAAAB8AAABUAAAAIis1AP///wEAAAAAAAAAAAAAAAAAAAAAAAAAAAAAAAAAAAAAAAAAAOfm5gN/f38A5+bmA8zMzADAwP8Af39/AAAAAAAAAAAAAAAAAAAAAAAAAAAAIQAAABgAAAAUAAAAbRQAAH4AAADoNgAAPQYAABAAAAAmAAAACAAAAP//////////"/>
+                <pr:smNativeData xmlns="smNativeData" xmlns:pr="smNativeData" xmlns:p15="http://schemas.microsoft.com/office/powerpoint/2012/main" xmlns:p14="http://schemas.microsoft.com/office/powerpoint/2010/main" xmlns:mc="http://schemas.openxmlformats.org/markup-compatibility/2006" val="SMDATA_15_q5OGZBMAAAAlAAAAZAAAAA0AAAAAjgAAAEcAAACOAAAARwAAAAAAAAABAAAAAAAAAAEAAABQAAAAAAAAAAAA4D8AAAAAAADgPwAAAAAAAOA/AAAAAAAA4D8AAAAAAADgPwAAAAAAAOA/AAAAAAAA4D8AAAAAAADgPwAAAAAAAOA/AAAAAAAA4D8CAAAAjAAAAAEAAAAAAAAAIis1AP///wgAAAAAAAAAAAAAAAAAAAAAAAAAAAAAAAAAAAAAZAAAAAEAAABAAAAAAAAAAAAAAAAAAAAAAAAAAAAAAAAAAAAAAAAAAAAAAAAAAAAAAAAAAAAAAAAAAAAAAAAAAAAAAAAAAAAAAAAAAAAAAAAAAAAAAAAAAAAAAAAAAAAAFAAAADwAAAABAAAAAAAAAOfm5gooAAAAAQAAABQAAAAUAAAAFAAAAAEAAAAAAAAAZAAAAGQAAAAAAAAAZAAAAGQAAAAVAAAAYAAAAAAAAAAAAAAADwAAACADAAAAAAAAAAAAAAEAAACgMgAAVgcAAKr4//8BAAAAf39/AAEAAABkAAAAAAAAABQAAABAHwAAAAAAACYAAAAAAAAAwOD//wAAAAAmAAAAZAAAABYAAABMAAAAAAAAAAAAAAAEAAAAAAAAAAEAAADn5uYKAAAAACgAAAAoAAAAZAAAAGQAAAAAAAAAzMzMAAAAAABQAAAAUAAAAGQAAABkAAAAAAAAABcAAAAUAAAAAAAAAAAAAAD/fwAA/38AAAAAAAAJAAAABAAAAPj///8eAAAAaAAAAAAAAAAAAAAAAAAAAAAAAAAAAAAAECcAABAnAAAAAAAAAAAAAAAAAAAAAAAAAAAAAAAAAAAAAAAAAAAAABQAAAAAAAAAwMD/AAAAAABkAAAAMgAAAAAAAABkAAAAAAAAAH9/fwAKAAAAIgAAABgAAAAAAAAAAAAAAAAAAAAAAAAAAAAAAAAAAAAkAAAAJAAAAAAAAAAHAAAAAAAAAAAAAAAAAAAAAAAAAAAAAAAAAAAAf39/ACUAAABYAAAAAAAAAAAAAAAAAAAAAAAAAAAAAAAAAAAAAAAAAAAAAAAAAAAAAAAAAAAAAAA/AAAAAAAAAKCGAQAAAAAAAAAAAAAAAAAMAAAAAQAAAAAAAAAAAAAAAAAAAB8AAABUAAAAIis1AP///wEAAAAAAAAAAAAAAAAAAAAAAAAAAAAAAAAAAAAAAAAAAOfm5gN/f38A5+bmA8zMzADAwP8Af39/AAAAAAAAAAAAAAAAAAAAAAAAAAAAIQAAABgAAAAUAAAAbRQAAH4AAADoNgAAPQYAABAAAAAmAAAACAAAAP//////////"/>
               </a:ext>
             </a:extLst>
           </p:cNvSpPr>
@@ -16020,8 +15766,8 @@
               </a:lnSpc>
               <a:defRPr lang="pt-br" cap="none">
                 <a:latin typeface="Arial" pitchFamily="2" charset="0"/>
-                <a:ea typeface="DejaVu Sans" pitchFamily="0" charset="0"/>
-                <a:cs typeface="DejaVu Sans" pitchFamily="0" charset="0"/>
+                <a:ea typeface="DejaVu Sans" charset="0"/>
+                <a:cs typeface="DejaVu Sans" charset="0"/>
               </a:defRPr>
             </a:pPr>
             <a:r>
@@ -16029,9 +15775,9 @@
                 <a:solidFill>
                   <a:srgbClr val="FFFFFF"/>
                 </a:solidFill>
-                <a:latin typeface="Montserrat" pitchFamily="0" charset="0"/>
-                <a:ea typeface="DejaVu Sans" pitchFamily="0" charset="0"/>
-                <a:cs typeface="DejaVu Sans" pitchFamily="0" charset="0"/>
+                <a:latin typeface="Montserrat" charset="0"/>
+                <a:ea typeface="DejaVu Sans" charset="0"/>
+                <a:cs typeface="DejaVu Sans" charset="0"/>
               </a:rPr>
               <a:t>Mão na massa</a:t>
             </a:r>
@@ -16045,7 +15791,7 @@
           <p:cNvSpPr>
             <a:extLst>
               <a:ext uri="smNativeData">
-                <pr:smNativeData xmlns:pr="smNativeData" xmlns="smNativeData" val="SMDATA_15_q5OGZBMAAAAlAAAAZAAAAA0AAAAAjgAAAEcAAACOAAAARwAAAAAAAAAAAAAAAAAAAAEAAABQAAAAAAAAAAAA4D8AAAAAAADgPwAAAAAAAOA/AAAAAAAA4D8AAAAAAADgPwAAAAAAAOA/AAAAAAAA4D8AAAAAAADgPwAAAAAAAOA/AAAAAAAA4D8CAAAAjAAAAAAAAAAAAAAARHLEDP///wgAAAAAAAAAAAAAAAAAAAAAAAAAAAAAAAAAAAAAZAAAAAEAAABAAAAAAAAAAAAAAAAAAAAAAAAAAAAAAAAAAAAAAAAAAAAAAAAAAAAAAAAAAAAAAAAAAAAAAAAAAAAAAAAAAAAAAAAAAAAAAAAAAAAAAAAAAAAAAAAAAAAAFAAAADwAAAAAAAAAAAAAAAAAAAkUAAAAAQAAABQAAAAUAAAAFAAAAAEAAAAAAAAAZAAAAGQAAAAAAAAAZAAAAGQAAAAVAAAAYAAAAAAAAAAAAAAADwAAACADAAAAAAAAAAAAAAEAAACgMgAAVgcAAKr4//8BAAAAf39/AAEAAABkAAAAAAAAABQAAABAHwAAAAAAACYAAAAAAAAAwOD//wAAAAAmAAAAZAAAABYAAABMAAAAAAAAAAAAAAAEAAAAAAAAAAEAAADn5uYKAAAAACgAAAAoAAAAZAAAAGQAAAAAAAAAzMzMAAAAAABQAAAAUAAAAGQAAABkAAAAAAAAABcAAAAUAAAAAAAAAAAAAAD/fwAA/38AAAAAAAAJAAAABAAAAPf///8eAAAAaAAAAAAAAAAAAAAAAAAAAAAAAAAAAAAAECcAABAnAAAAAAAAAAAAAAAAAAAAAAAAAAAAAAAAAAAAAAAAAAAAABQAAAAAAAAAwMD/AAAAAABkAAAAMgAAAAAAAABkAAAAAAAAAH9/fwAKAAAAIgAAABgAAAAAAAAAAAAAAAAAAAAAAAAAAAAAAAAAAAAkAAAAJAAAAAAAAAAHAAAAAAAAAAAAAAAAAAAAAAAAAAAAAAAAAAAAf39/ACUAAABYAAAAAAAAAAAAAAAAAAAAAAAAAAAAAAAAAAAAAAAAAAAAAAAAAAAAAAAAAAAAAAA/AAAAAAAAAKCGAQAAAAAAAAAAAAAAAAAMAAAAAQAAAAAAAAAAAAAAAAAAAB8AAABUAAAARHLEBf///wEAAAAAAAAAAAAAAAAAAAAAAAAAAAAAAAAAAAAAAAAAAAAAAAJ/f38A5+bmA8zMzADAwP8Af39/AAAAAAAAAAAAAAAAAAAAAAAAAAAAIQAAABgAAAAUAAAA/wIAAIARAABXIwAAaiEAABAAAAAmAAAACAAAAP//////////"/>
+                <pr:smNativeData xmlns="smNativeData" xmlns:pr="smNativeData" xmlns:p15="http://schemas.microsoft.com/office/powerpoint/2012/main" xmlns:p14="http://schemas.microsoft.com/office/powerpoint/2010/main" xmlns:mc="http://schemas.openxmlformats.org/markup-compatibility/2006" val="SMDATA_15_q5OGZBMAAAAlAAAAZAAAAA0AAAAAjgAAAEcAAACOAAAARwAAAAAAAAAAAAAAAAAAAAEAAABQAAAAAAAAAAAA4D8AAAAAAADgPwAAAAAAAOA/AAAAAAAA4D8AAAAAAADgPwAAAAAAAOA/AAAAAAAA4D8AAAAAAADgPwAAAAAAAOA/AAAAAAAA4D8CAAAAjAAAAAAAAAAAAAAARHLEDP///wgAAAAAAAAAAAAAAAAAAAAAAAAAAAAAAAAAAAAAZAAAAAEAAABAAAAAAAAAAAAAAAAAAAAAAAAAAAAAAAAAAAAAAAAAAAAAAAAAAAAAAAAAAAAAAAAAAAAAAAAAAAAAAAAAAAAAAAAAAAAAAAAAAAAAAAAAAAAAAAAAAAAAFAAAADwAAAAAAAAAAAAAAAAAAAkUAAAAAQAAABQAAAAUAAAAFAAAAAEAAAAAAAAAZAAAAGQAAAAAAAAAZAAAAGQAAAAVAAAAYAAAAAAAAAAAAAAADwAAACADAAAAAAAAAAAAAAEAAACgMgAAVgcAAKr4//8BAAAAf39/AAEAAABkAAAAAAAAABQAAABAHwAAAAAAACYAAAAAAAAAwOD//wAAAAAmAAAAZAAAABYAAABMAAAAAAAAAAAAAAAEAAAAAAAAAAEAAADn5uYKAAAAACgAAAAoAAAAZAAAAGQAAAAAAAAAzMzMAAAAAABQAAAAUAAAAGQAAABkAAAAAAAAABcAAAAUAAAAAAAAAAAAAAD/fwAA/38AAAAAAAAJAAAABAAAAPf///8eAAAAaAAAAAAAAAAAAAAAAAAAAAAAAAAAAAAAECcAABAnAAAAAAAAAAAAAAAAAAAAAAAAAAAAAAAAAAAAAAAAAAAAABQAAAAAAAAAwMD/AAAAAABkAAAAMgAAAAAAAABkAAAAAAAAAH9/fwAKAAAAIgAAABgAAAAAAAAAAAAAAAAAAAAAAAAAAAAAAAAAAAAkAAAAJAAAAAAAAAAHAAAAAAAAAAAAAAAAAAAAAAAAAAAAAAAAAAAAf39/ACUAAABYAAAAAAAAAAAAAAAAAAAAAAAAAAAAAAAAAAAAAAAAAAAAAAAAAAAAAAAAAAAAAAA/AAAAAAAAAKCGAQAAAAAAAAAAAAAAAAAMAAAAAQAAAAAAAAAAAAAAAAAAAB8AAABUAAAARHLEBf///wEAAAAAAAAAAAAAAAAAAAAAAAAAAAAAAAAAAAAAAAAAAAAAAAJ/f38A5+bmA8zMzADAwP8Af39/AAAAAAAAAAAAAAAAAAAAAAAAAAAAIQAAABgAAAAUAAAA/wIAAIARAABXIwAAaiEAABAAAAAmAAAACAAAAP//////////"/>
               </a:ext>
             </a:extLst>
           </p:cNvSpPr>
@@ -16080,11 +15826,6 @@
               </a:rPr>
               <a:t>Exercício 5: Abstração</a:t>
             </a:r>
-            <a:endParaRPr lang="pt-br" cap="none">
-              <a:solidFill>
-                <a:schemeClr val="bg1"/>
-              </a:solidFill>
-            </a:endParaRPr>
           </a:p>
           <a:p>
             <a:pPr>
@@ -16098,11 +15839,6 @@
               </a:rPr>
               <a:t>Crie uma classe chamada Forma com um método chamado calcularArea. </a:t>
             </a:r>
-            <a:endParaRPr lang="pt-br" cap="none">
-              <a:solidFill>
-                <a:schemeClr val="bg1"/>
-              </a:solidFill>
-            </a:endParaRPr>
           </a:p>
           <a:p>
             <a:pPr>
@@ -16116,11 +15852,6 @@
               </a:rPr>
               <a:t>Em seguida, crie classes derivadas de Forma chamadas Retangulo e Circulo, </a:t>
             </a:r>
-            <a:endParaRPr lang="pt-br" cap="none">
-              <a:solidFill>
-                <a:schemeClr val="bg1"/>
-              </a:solidFill>
-            </a:endParaRPr>
           </a:p>
           <a:p>
             <a:pPr>
@@ -16134,11 +15865,6 @@
               </a:rPr>
               <a:t>que implementem o método calcularArea para calcular a área de um retângulo e de um círculo respectivamente.</a:t>
             </a:r>
-            <a:endParaRPr lang="pt-br" cap="none">
-              <a:solidFill>
-                <a:schemeClr val="bg1"/>
-              </a:solidFill>
-            </a:endParaRPr>
           </a:p>
         </p:txBody>
       </p:sp>
@@ -16148,7 +15874,7 @@
           <p:cNvPicPr>
             <a:extLst>
               <a:ext uri="smNativeData">
-                <pr:smNativeData xmlns:pr="smNativeData" xmlns="smNativeData" val="SMDATA_17_q5OGZBMAAAAlAAAAEQAAAA0AAAAAkAAAAEgAAACQAAAASAAAAAAAAAAAAAAAAAAAAAEAAABQAAAAAAAAAAAA4D8AAAAAAADgPwAAAAAAAOA/AAAAAAAA4D8AAAAAAADgPwAAAAAAAOA/AAAAAAAA4D8AAAAAAADgPwAAAAAAAOA/AAAAAAAA4D8CAAAAjAAAAAAAAAAAAAAARHLEDP///wgAAAAAAAAAAAAAAAAAAAAAAAAAAAAAAAAAAAAAZAAAAAEAAABAAAAAAAAAAAAAAAAAAAAAAAAAAAAAAAAAAAAAAAAAAAAAAAAAAAAAAAAAAAAAAAAAAAAAAAAAAAAAAAAAAAAAAAAAAAAAAAAAAAAAAAAAAAAAAAAAAAAAFAAAADwAAAAAAAAAAAAAAAAAAAkUAAAAAQAAABQAAAAUAAAAFAAAAAEAAAAAAAAAZAAAAGQAAAAAAAAAZAAAAGQAAAAVAAAAYAAAAAAAAAAAAAAADwAAACADAAAAAAAAAAAAAAEAAACgMgAAVgcAAKr4//8BAAAAf39/AAEAAABkAAAAAAAAABQAAABAHwAAAAAAACYAAAAAAAAAwOD//wAAAAAmAAAAZAAAABYAAABMAAAAAAAAAAAAAAAEAAAAAAAAAAEAAADn5uYKAAAAACgAAAAoAAAAZAAAAGQAAAAAAAAAzMzMAAAAAABQAAAAUAAAAGQAAABkAAAAAAAAAAcAAAA4AAAAAAAAAAAAAAAAAAAA////AAAAAAAAAAAAAAAAAAAAAAAAAAAAAAAAAAAAAABkAAAAZAAAAAAAAAAjAAAABAAAAGQAAAAXAAAAFAAAAAAAAAAAAAAA/38AAP9/AAAAAAAACQAAAAQAAAAOAAAAHgAAAGgAAAAAAAAAAAAAAAAAAAAAAAAAAAAAABAnAAAQJwAAAAAAAAAAAAAAAAAAAAAAAAAAAAAAAAAAAAAAAAAAAAAUAAAAAAAAAMDA/wAAAAAAZAAAADIAAAAAAAAAZAAAAAAAAAB/f38ACgAAACIAAAAYAAAAAAAAAAAAAAAAAAAAAAAAAAAAAAAAAAAAJAAAACQAAAAAAAAABwAAAAAAAAAAAAAAAAAAAAAAAAAAAAAAAAAAAH9/fwAlAAAAWAAAAAAAAAAAAAAAAAAAAAAAAAAAAAAAAAAAAAAAAAAAAAAAAAAAAAAAAAAAAAAAPwAAAAAAAACghgEAAAAAAAAAAAAAAAAADAAAAAEAAAAAAAAAAAAAAAAAAAAfAAAAVAAAAERyxAX///8BAAAAAAAAAAAAAAAAAAAAAAAAAAAAAAAAAAAAAAAAAAAAAAACf39/AOfm5gPMzMwAwMD/AH9/fwAAAAAAAAAAAAAAAAD///8AAAAAACEAAAAYAAAAFAAAAOkoAAAFCAAAl0IAAPonAAAQAAAAJgAAAAgAAAD//////////w=="/>
+                <pr:smNativeData xmlns="smNativeData" xmlns:pr="smNativeData" xmlns:p15="http://schemas.microsoft.com/office/powerpoint/2012/main" xmlns:p14="http://schemas.microsoft.com/office/powerpoint/2010/main" xmlns:mc="http://schemas.openxmlformats.org/markup-compatibility/2006" val="SMDATA_17_q5OGZBMAAAAlAAAAEQAAAA0AAAAAkAAAAEgAAACQAAAASAAAAAAAAAAAAAAAAAAAAAEAAABQAAAAAAAAAAAA4D8AAAAAAADgPwAAAAAAAOA/AAAAAAAA4D8AAAAAAADgPwAAAAAAAOA/AAAAAAAA4D8AAAAAAADgPwAAAAAAAOA/AAAAAAAA4D8CAAAAjAAAAAAAAAAAAAAARHLEDP///wgAAAAAAAAAAAAAAAAAAAAAAAAAAAAAAAAAAAAAZAAAAAEAAABAAAAAAAAAAAAAAAAAAAAAAAAAAAAAAAAAAAAAAAAAAAAAAAAAAAAAAAAAAAAAAAAAAAAAAAAAAAAAAAAAAAAAAAAAAAAAAAAAAAAAAAAAAAAAAAAAAAAAFAAAADwAAAAAAAAAAAAAAAAAAAkUAAAAAQAAABQAAAAUAAAAFAAAAAEAAAAAAAAAZAAAAGQAAAAAAAAAZAAAAGQAAAAVAAAAYAAAAAAAAAAAAAAADwAAACADAAAAAAAAAAAAAAEAAACgMgAAVgcAAKr4//8BAAAAf39/AAEAAABkAAAAAAAAABQAAABAHwAAAAAAACYAAAAAAAAAwOD//wAAAAAmAAAAZAAAABYAAABMAAAAAAAAAAAAAAAEAAAAAAAAAAEAAADn5uYKAAAAACgAAAAoAAAAZAAAAGQAAAAAAAAAzMzMAAAAAABQAAAAUAAAAGQAAABkAAAAAAAAAAcAAAA4AAAAAAAAAAAAAAAAAAAA////AAAAAAAAAAAAAAAAAAAAAAAAAAAAAAAAAAAAAABkAAAAZAAAAAAAAAAjAAAABAAAAGQAAAAXAAAAFAAAAAAAAAAAAAAA/38AAP9/AAAAAAAACQAAAAQAAAAOAAAAHgAAAGgAAAAAAAAAAAAAAAAAAAAAAAAAAAAAABAnAAAQJwAAAAAAAAAAAAAAAAAAAAAAAAAAAAAAAAAAAAAAAAAAAAAUAAAAAAAAAMDA/wAAAAAAZAAAADIAAAAAAAAAZAAAAAAAAAB/f38ACgAAACIAAAAYAAAAAAAAAAAAAAAAAAAAAAAAAAAAAAAAAAAAJAAAACQAAAAAAAAABwAAAAAAAAAAAAAAAAAAAAAAAAAAAAAAAAAAAH9/fwAlAAAAWAAAAAAAAAAAAAAAAAAAAAAAAAAAAAAAAAAAAAAAAAAAAAAAAAAAAAAAAAAAAAAAPwAAAAAAAACghgEAAAAAAAAAAAAAAAAADAAAAAEAAAAAAAAAAAAAAAAAAAAfAAAAVAAAAERyxAX///8BAAAAAAAAAAAAAAAAAAAAAAAAAAAAAAAAAAAAAAAAAAAAAAACf39/AOfm5gPMzMwAwMD/AH9/fwAAAAAAAAAAAAAAAAD///8AAAAAACEAAAAYAAAAFAAAAOkoAAAFCAAAl0IAAPonAAAQAAAAJgAAAAgAAAD//////////w=="/>
               </a:ext>
             </a:extLst>
           </p:cNvPicPr>
@@ -16180,18 +15906,11 @@
   <p:clrMapOvr>
     <a:masterClrMapping/>
   </p:clrMapOvr>
-  <p:timing>
-    <p:tnLst>
-      <p:par>
-        <p:cTn id="1" dur="indefinite" restart="never" nodeType="tmRoot"/>
-      </p:par>
-    </p:tnLst>
-  </p:timing>
 </p:sld>
 </file>
 
 <file path=ppt/slides/slide3.xml><?xml version="1.0" encoding="utf-8"?>
-<p:sld xmlns:p="http://schemas.openxmlformats.org/presentationml/2006/main" xmlns:mc="http://schemas.openxmlformats.org/markup-compatibility/2006" xmlns:p14="http://schemas.microsoft.com/office/powerpoint/2010/main" xmlns:p15="http://schemas.microsoft.com/office/powerpoint/2012/main" xmlns:r="http://schemas.openxmlformats.org/officeDocument/2006/relationships" xmlns:a="http://schemas.openxmlformats.org/drawingml/2006/main" mc:Ignorable="p14">
+<p:sld xmlns:a="http://schemas.openxmlformats.org/drawingml/2006/main" xmlns:r="http://schemas.openxmlformats.org/officeDocument/2006/relationships" xmlns:p="http://schemas.openxmlformats.org/presentationml/2006/main">
   <p:cSld>
     <p:bg>
       <p:bgPr>
@@ -16221,7 +15940,7 @@
           <p:cNvSpPr>
             <a:extLst>
               <a:ext uri="smNativeData">
-                <pr:smNativeData xmlns:pr="smNativeData" xmlns="smNativeData" val="SMDATA_15_q5OGZBMAAAAlAAAAqgAAAA0AAAAAkAAAAEgAAACQAAAASAAAAAAAAAAAAAAAAAAAAAEAAABQAAAAda9fBcX/xz8AAAAAAADgPwAAAAAAAOA/AAAAAAAA4D8AAAAAAADgPwAAAAAAAOA/AAAAAAAA4D8AAAAAAADgPwAAAAAAAOA/AAAAAAAA4D8CAAAAjAAAAAEAAAADAAAAMz9PADM/TwAAAAAAZAAAAAAAAAAAAAAAAAAAAAAAAAAAAAAAZAAAAAEAAABAAAAAAAAAAGQAAAAOAQAAAAAAAAAAAAAAAAAAAAAAAAAAAAAAAAAAAAAAAAAAAAAAAAAAAAAAAAAAAAAAAAAAAAAAAAAAAAAAAAAAAAAAAAAAAAAAAAAAFAAAADwAAAABAAAAAAAAAP///wgoAAAAAQAAABQAAAAUAAAAFAAAAAEAAAAAAAAAZAAAAGQAAAAAAAAAZAAAAGQAAAAVAAAAYAAAAAAAAAAAAAAADwAAACADAAAAAAAAAAAAAAEAAACgMgAAVgcAAKr4//8BAAAAf39/AAEAAABkAAAAAAAAABQAAABAHwAAAAAAACYAAAAAAAAAwOD//wAAAAAmAAAAZAAAABYAAABMAAAAAAAAAAAAAAAEAAAAAAAAAAEAAADn5uYKAAAAACgAAAAoAAAAZAAAAGQAAAAAAAAAzMzMAAAAAABQAAAAUAAAAGQAAABkAAAAAAAAABcAAAAUAAAAAAAAAAAAAAD/fwAA/38AAAAAAAAJAAAABAAAAF8AYAAeAAAAaAAAAAAAAAAAAAAAAAAAAAAAAAAAAAAAECcAABAnAAAAAAAAAAAAAAAAAAAAAABkAAAAAAAAAAAAAAAAAAAAABQAAAAAAAAAwMD/AAAAAABkAAAAMgAAAAAAAABkAAAAAAAAAH9/fwAKAAAAIgAAABgAAAAAAAAAAAAAAAAAAAAAAAAAAAAAAAAAAAAkAAAAJAAAAAAAAAAHAAAAAAAAAAAAAAAAAAAAAAAAAAAAAAAAAAAAf39/ACUAAABYAAAAAAAAAAAAAAAAAAAAAAAAAAAAAAAAAAAAAAAAAAAAAAAAAAAAAAAAAAAAAAA/AAAAAAAAAKCGAQAAAAAAAAAAAAAAAAAMAAAAAQAAAAAAAAAAAAAAAAAAAB8AAABUAAAAMz9PADM/TwAAAAAAAAAAAAAAAAAAAAAAAAAAAAAAAAAAAAAAAAAAAP///wF/f38A5+bmA8zMzADAwP8Af39/AAAAAAAAAAAAAAAAAAAAAAAAAAAAIQAAABgAAAAUAAAAAAAAAAEAAAD/SgAALyoAABAAAAAmAAAACAAAAP//////////"/>
+                <pr:smNativeData xmlns="smNativeData" xmlns:pr="smNativeData" xmlns:p15="http://schemas.microsoft.com/office/powerpoint/2012/main" xmlns:p14="http://schemas.microsoft.com/office/powerpoint/2010/main" xmlns:mc="http://schemas.openxmlformats.org/markup-compatibility/2006" val="SMDATA_15_q5OGZBMAAAAlAAAAqgAAAA0AAAAAkAAAAEgAAACQAAAASAAAAAAAAAAAAAAAAAAAAAEAAABQAAAAda9fBcX/xz8AAAAAAADgPwAAAAAAAOA/AAAAAAAA4D8AAAAAAADgPwAAAAAAAOA/AAAAAAAA4D8AAAAAAADgPwAAAAAAAOA/AAAAAAAA4D8CAAAAjAAAAAEAAAADAAAAMz9PADM/TwAAAAAAZAAAAAAAAAAAAAAAAAAAAAAAAAAAAAAAZAAAAAEAAABAAAAAAAAAAGQAAAAOAQAAAAAAAAAAAAAAAAAAAAAAAAAAAAAAAAAAAAAAAAAAAAAAAAAAAAAAAAAAAAAAAAAAAAAAAAAAAAAAAAAAAAAAAAAAAAAAAAAAFAAAADwAAAABAAAAAAAAAP///wgoAAAAAQAAABQAAAAUAAAAFAAAAAEAAAAAAAAAZAAAAGQAAAAAAAAAZAAAAGQAAAAVAAAAYAAAAAAAAAAAAAAADwAAACADAAAAAAAAAAAAAAEAAACgMgAAVgcAAKr4//8BAAAAf39/AAEAAABkAAAAAAAAABQAAABAHwAAAAAAACYAAAAAAAAAwOD//wAAAAAmAAAAZAAAABYAAABMAAAAAAAAAAAAAAAEAAAAAAAAAAEAAADn5uYKAAAAACgAAAAoAAAAZAAAAGQAAAAAAAAAzMzMAAAAAABQAAAAUAAAAGQAAABkAAAAAAAAABcAAAAUAAAAAAAAAAAAAAD/fwAA/38AAAAAAAAJAAAABAAAAF8AYAAeAAAAaAAAAAAAAAAAAAAAAAAAAAAAAAAAAAAAECcAABAnAAAAAAAAAAAAAAAAAAAAAABkAAAAAAAAAAAAAAAAAAAAABQAAAAAAAAAwMD/AAAAAABkAAAAMgAAAAAAAABkAAAAAAAAAH9/fwAKAAAAIgAAABgAAAAAAAAAAAAAAAAAAAAAAAAAAAAAAAAAAAAkAAAAJAAAAAAAAAAHAAAAAAAAAAAAAAAAAAAAAAAAAAAAAAAAAAAAf39/ACUAAABYAAAAAAAAAAAAAAAAAAAAAAAAAAAAAAAAAAAAAAAAAAAAAAAAAAAAAAAAAAAAAAA/AAAAAAAAAKCGAQAAAAAAAAAAAAAAAAAMAAAAAQAAAAAAAAAAAAAAAAAAAB8AAABUAAAAMz9PADM/TwAAAAAAAAAAAAAAAAAAAAAAAAAAAAAAAAAAAAAAAAAAAP///wF/f38A5+bmA8zMzADAwP8Af39/AAAAAAAAAAAAAAAAAAAAAAAAAAAAIQAAABgAAAAUAAAAAAAAAAEAAAD/SgAALyoAABAAAAAmAAAACAAAAP//////////"/>
               </a:ext>
             </a:extLst>
           </p:cNvSpPr>
@@ -16268,7 +15987,7 @@
           <p:cNvSpPr>
             <a:extLst>
               <a:ext uri="smNativeData">
-                <pr:smNativeData xmlns:pr="smNativeData" xmlns="smNativeData" val="SMDATA_15_q5OGZBMAAAAlAAAAZAAAAA0AAAAAjgAAAEcAAACOAAAARwAAAAAAAAABAAAAAAAAAAEAAABQAAAAAAAAAAAA4D8AAAAAAADgPwAAAAAAAOA/AAAAAAAA4D8AAAAAAADgPwAAAAAAAOA/AAAAAAAA4D8AAAAAAADgPwAAAAAAAOA/AAAAAAAA4D8CAAAAjAAAAAEAAAAAAAAAIis1AP///wgAAAAAAAAAAAAAAAAAAAAAAAAAAAAAAAAAAAAAZAAAAAEAAABAAAAAAAAAAAAAAAAAAAAAAAAAAAAAAAAAAAAAAAAAAAAAAAAAAAAAAAAAAAAAAAAAAAAAAAAAAAAAAAAAAAAAAAAAAAAAAAAAAAAAAAAAAAAAAAAAAAAAFAAAADwAAAABAAAAAAAAAOfm5gooAAAAAQAAABQAAAAUAAAAFAAAAAEAAAAAAAAAZAAAAGQAAAAAAAAAZAAAAGQAAAAVAAAAYAAAAAAAAAAAAAAADwAAACADAAAAAAAAAAAAAAEAAACgMgAAVgcAAKr4//8BAAAAf39/AAEAAABkAAAAAAAAABQAAABAHwAAAAAAACYAAAAAAAAAwOD//wAAAAAmAAAAZAAAABYAAABMAAAAAAAAAAAAAAAEAAAAAAAAAAEAAADn5uYKAAAAACgAAAAoAAAAZAAAAGQAAAAAAAAAzMzMAAAAAABQAAAAUAAAAGQAAABkAAAAAAAAABcAAAAUAAAAAAAAAAAAAAD/fwAA/38AAAAAAAAJAAAABAAAAF8AYAAeAAAAaAAAAAAAAAAAAAAAAAAAAAAAAAAAAAAAECcAABAnAAAAAAAAAAAAAAAAAAAAAAAAAAAAAAAAAAAAAAAAAAAAABQAAAAAAAAAwMD/AAAAAABkAAAAMgAAAAAAAABkAAAAAAAAAH9/fwAKAAAAIgAAABgAAAAAAAAAAAAAAAAAAAAAAAAAAAAAAAAAAAAkAAAAJAAAAAAAAAAHAAAAAAAAAAAAAAAAAAAAAAAAAAAAAAAAAAAAf39/ACUAAABYAAAAAAAAAAAAAAAAAAAAAAAAAAAAAAAAAAAAAAAAAAAAAAAAAAAAAAAAAAAAAAA/AAAAAAAAAKCGAQAAAAAAAAAAAAAAAAAMAAAAAQAAAAAAAAAAAAAAAAAAAB8AAABUAAAAIis1AP///wEAAAAAAAAAAAAAAAAAAAAAAAAAAAAAAAAAAAAAAAAAAOfm5gN/f38A5+bmA8zMzADAwP8Af39/AAAAAAAAAAAAAAAAAAAAAAAAAAAAIQAAABgAAAAUAAAAjxEAAMYBAABwOQAAwQUAAAAAAAAmAAAACAAAAP//////////"/>
+                <pr:smNativeData xmlns="smNativeData" xmlns:pr="smNativeData" xmlns:p15="http://schemas.microsoft.com/office/powerpoint/2012/main" xmlns:p14="http://schemas.microsoft.com/office/powerpoint/2010/main" xmlns:mc="http://schemas.openxmlformats.org/markup-compatibility/2006" val="SMDATA_15_q5OGZBMAAAAlAAAAZAAAAA0AAAAAjgAAAEcAAACOAAAARwAAAAAAAAABAAAAAAAAAAEAAABQAAAAAAAAAAAA4D8AAAAAAADgPwAAAAAAAOA/AAAAAAAA4D8AAAAAAADgPwAAAAAAAOA/AAAAAAAA4D8AAAAAAADgPwAAAAAAAOA/AAAAAAAA4D8CAAAAjAAAAAEAAAAAAAAAIis1AP///wgAAAAAAAAAAAAAAAAAAAAAAAAAAAAAAAAAAAAAZAAAAAEAAABAAAAAAAAAAAAAAAAAAAAAAAAAAAAAAAAAAAAAAAAAAAAAAAAAAAAAAAAAAAAAAAAAAAAAAAAAAAAAAAAAAAAAAAAAAAAAAAAAAAAAAAAAAAAAAAAAAAAAFAAAADwAAAABAAAAAAAAAOfm5gooAAAAAQAAABQAAAAUAAAAFAAAAAEAAAAAAAAAZAAAAGQAAAAAAAAAZAAAAGQAAAAVAAAAYAAAAAAAAAAAAAAADwAAACADAAAAAAAAAAAAAAEAAACgMgAAVgcAAKr4//8BAAAAf39/AAEAAABkAAAAAAAAABQAAABAHwAAAAAAACYAAAAAAAAAwOD//wAAAAAmAAAAZAAAABYAAABMAAAAAAAAAAAAAAAEAAAAAAAAAAEAAADn5uYKAAAAACgAAAAoAAAAZAAAAGQAAAAAAAAAzMzMAAAAAABQAAAAUAAAAGQAAABkAAAAAAAAABcAAAAUAAAAAAAAAAAAAAD/fwAA/38AAAAAAAAJAAAABAAAAF8AYAAeAAAAaAAAAAAAAAAAAAAAAAAAAAAAAAAAAAAAECcAABAnAAAAAAAAAAAAAAAAAAAAAAAAAAAAAAAAAAAAAAAAAAAAABQAAAAAAAAAwMD/AAAAAABkAAAAMgAAAAAAAABkAAAAAAAAAH9/fwAKAAAAIgAAABgAAAAAAAAAAAAAAAAAAAAAAAAAAAAAAAAAAAAkAAAAJAAAAAAAAAAHAAAAAAAAAAAAAAAAAAAAAAAAAAAAAAAAAAAAf39/ACUAAABYAAAAAAAAAAAAAAAAAAAAAAAAAAAAAAAAAAAAAAAAAAAAAAAAAAAAAAAAAAAAAAA/AAAAAAAAAKCGAQAAAAAAAAAAAAAAAAAMAAAAAQAAAAAAAAAAAAAAAAAAAB8AAABUAAAAIis1AP///wEAAAAAAAAAAAAAAAAAAAAAAAAAAAAAAAAAAAAAAAAAAOfm5gN/f38A5+bmA8zMzADAwP8Af39/AAAAAAAAAAAAAAAAAAAAAAAAAAAAIQAAABgAAAAUAAAAjxEAAMYBAABwOQAAwQUAAAAAAAAmAAAACAAAAP//////////"/>
               </a:ext>
             </a:extLst>
           </p:cNvSpPr>
@@ -16305,29 +16024,21 @@
               </a:lnSpc>
               <a:defRPr lang="pt-br" cap="none">
                 <a:latin typeface="Arial" pitchFamily="2" charset="0"/>
-                <a:ea typeface="DejaVu Sans" pitchFamily="0" charset="0"/>
-                <a:cs typeface="DejaVu Sans" pitchFamily="0" charset="0"/>
+                <a:ea typeface="DejaVu Sans" charset="0"/>
+                <a:cs typeface="DejaVu Sans" charset="0"/>
               </a:defRPr>
             </a:pPr>
             <a:r>
-              <a:rPr lang="pt-br" sz="2800" b="1" cap="none">
+              <a:rPr lang="pt-br" sz="2800" b="1" cap="none" dirty="0">
                 <a:solidFill>
                   <a:srgbClr val="FFFFFF"/>
                 </a:solidFill>
                 <a:latin typeface="Calibri" pitchFamily="2" charset="0"/>
-                <a:ea typeface="DejaVu Sans" pitchFamily="0" charset="0"/>
-                <a:cs typeface="DejaVu Sans" pitchFamily="0" charset="0"/>
+                <a:ea typeface="DejaVu Sans" charset="0"/>
+                <a:cs typeface="DejaVu Sans" charset="0"/>
               </a:rPr>
-              <a:t>quando nasceu a orientaçao a objetos</a:t>
+              <a:t>Quando nasceu a orientação a objetos</a:t>
             </a:r>
-            <a:endParaRPr lang="pt-br" sz="2800" b="1" cap="none">
-              <a:solidFill>
-                <a:srgbClr val="FFFFFF"/>
-              </a:solidFill>
-              <a:latin typeface="Calibri" pitchFamily="2" charset="0"/>
-              <a:ea typeface="DejaVu Sans" pitchFamily="0" charset="0"/>
-              <a:cs typeface="DejaVu Sans" pitchFamily="0" charset="0"/>
-            </a:endParaRPr>
           </a:p>
         </p:txBody>
       </p:sp>
@@ -16337,7 +16048,7 @@
           <p:cNvSpPr txBox="1">
             <a:extLst>
               <a:ext uri="smNativeData">
-                <pr:smNativeData xmlns:pr="smNativeData" xmlns="smNativeData" val="SMDATA_15_q5OGZBMAAAAlAAAAEgAAAE8BAAAAkAAAAEgAAACQAAAASAAAAAAAAAAAAAAAAAAAAAEAAABQAAAAAAAAAAAA4D8AAAAAAADgPwAAAAAAAOA/AAAAAAAA4D8AAAAAAADgPwAAAAAAAOA/AAAAAAAA4D8AAAAAAADgPwAAAAAAAOA/AAAAAAAA4D8CAAAAjAAAAAAAAAAAAAAARHLEDP///wgAAAAAAAAAAAAAAAAAAAAAAAAAAAAAAAAAAAAAZAAAAAEAAABAAAAAAAAAAAAAAAAAAAAAAAAAAAAAAAAAAAAAAAAAAAAAAAAAAAAAAAAAAAAAAAAAAAAAAAAAAAAAAAAAAAAAAAAAAAAAAAAAAAAAAAAAAAAAAAAAAAAAFAAAADwAAAAAAAAAAAAAAAAAAAkUAAAAAQAAABQAAAAUAAAAFAAAAAEAAAAAAAAAZAAAAGQAAAAAAAAAZAAAAGQAAAAVAAAAYAAAAAAAAAAAAAAADwAAACADAAAAAAAAAAAAAAEAAACgMgAAVgcAAKr4//8BAAAAf39/AAEAAABkAAAAAAAAABQAAABAHwAAAAAAACYAAAAAAAAAwOD//wAAAAAmAAAAZAAAABYAAABMAAAAAAAAAAAAAAAEAAAAAAAAAAEAAADn5uYKAAAAACgAAAAoAAAAZAAAAGQAAAAAAAAAzMzMAAAAAABQAAAAUAAAAGQAAABkAAAAAAAAABcAAAAUAAAAAAAAAAUhAAD/fwAA/38AAAAAAAAJAAAABAAAAF8AYAAeAAAAaAAAAAAAAAAAAAAAAAAAAAAAAAAAAAAAECcAABAnAAAAAAAAAAAAAAAAAAAAAAAAAAAAAAAAAAAAAAAAAAAAABQAAAAAAAAAwMD/AAAAAABkAAAAMgAAAAAAAABkAAAAAAAAAH9/fwAKAAAAIgAAABgAAAAAAAAAAAAAAAAAAAAAAAAAAAAAAAAAAAAkAAAAJAAAAAAAAAAHAAAAAAAAAAAAAAAAAAAAAAAAAAAAAAAAAAAAf39/ACUAAABYAAAAAAAAAAAAAAAAAAAAAAAAAAAAAAAAAAAAAAAAAAAAAAAAAAAAAAAAAAAAAAA/AAAAAAAAAKCGAQAAAAAAAAAAAAAAAAAMAAAAAQAAAAAAAAAAAAAAAAAAAB8AAABUAAAARHLEBf///wEAAAAAAAAAAAAAAAAAAAAAAAAAAAAAAAAAAAAAAAAAAAAAAAJ/f38A5+bmA8zMzADAwP8Af39/AAAAAAAAAAAAAAAAAAAAAAAAAAAAIQAAABgAAAAUAAAAwQIAAHIGAADDJgAAEicAAAAgAAAmAAAACAAAAP//////////"/>
+                <pr:smNativeData xmlns="smNativeData" xmlns:pr="smNativeData" xmlns:p15="http://schemas.microsoft.com/office/powerpoint/2012/main" xmlns:p14="http://schemas.microsoft.com/office/powerpoint/2010/main" xmlns:mc="http://schemas.openxmlformats.org/markup-compatibility/2006" val="SMDATA_15_q5OGZBMAAAAlAAAAEgAAAE8BAAAAkAAAAEgAAACQAAAASAAAAAAAAAAAAAAAAAAAAAEAAABQAAAAAAAAAAAA4D8AAAAAAADgPwAAAAAAAOA/AAAAAAAA4D8AAAAAAADgPwAAAAAAAOA/AAAAAAAA4D8AAAAAAADgPwAAAAAAAOA/AAAAAAAA4D8CAAAAjAAAAAAAAAAAAAAARHLEDP///wgAAAAAAAAAAAAAAAAAAAAAAAAAAAAAAAAAAAAAZAAAAAEAAABAAAAAAAAAAAAAAAAAAAAAAAAAAAAAAAAAAAAAAAAAAAAAAAAAAAAAAAAAAAAAAAAAAAAAAAAAAAAAAAAAAAAAAAAAAAAAAAAAAAAAAAAAAAAAAAAAAAAAFAAAADwAAAAAAAAAAAAAAAAAAAkUAAAAAQAAABQAAAAUAAAAFAAAAAEAAAAAAAAAZAAAAGQAAAAAAAAAZAAAAGQAAAAVAAAAYAAAAAAAAAAAAAAADwAAACADAAAAAAAAAAAAAAEAAACgMgAAVgcAAKr4//8BAAAAf39/AAEAAABkAAAAAAAAABQAAABAHwAAAAAAACYAAAAAAAAAwOD//wAAAAAmAAAAZAAAABYAAABMAAAAAAAAAAAAAAAEAAAAAAAAAAEAAADn5uYKAAAAACgAAAAoAAAAZAAAAGQAAAAAAAAAzMzMAAAAAABQAAAAUAAAAGQAAABkAAAAAAAAABcAAAAUAAAAAAAAAAUhAAD/fwAA/38AAAAAAAAJAAAABAAAAF8AYAAeAAAAaAAAAAAAAAAAAAAAAAAAAAAAAAAAAAAAECcAABAnAAAAAAAAAAAAAAAAAAAAAAAAAAAAAAAAAAAAAAAAAAAAABQAAAAAAAAAwMD/AAAAAABkAAAAMgAAAAAAAABkAAAAAAAAAH9/fwAKAAAAIgAAABgAAAAAAAAAAAAAAAAAAAAAAAAAAAAAAAAAAAAkAAAAJAAAAAAAAAAHAAAAAAAAAAAAAAAAAAAAAAAAAAAAAAAAAAAAf39/ACUAAABYAAAAAAAAAAAAAAAAAAAAAAAAAAAAAAAAAAAAAAAAAAAAAAAAAAAAAAAAAAAAAAA/AAAAAAAAAKCGAQAAAAAAAAAAAAAAAAAMAAAAAQAAAAAAAAAAAAAAAAAAAB8AAABUAAAARHLEBf///wEAAAAAAAAAAAAAAAAAAAAAAAAAAAAAAAAAAAAAAAAAAAAAAAJ/f38A5+bmA8zMzADAwP8Af39/AAAAAAAAAAAAAAAAAAAAAAAAAAAAIQAAABgAAAAUAAAAwQIAAHIGAADDJgAAEicAAAAgAAAmAAAACAAAAP//////////"/>
               </a:ext>
             </a:extLst>
           </p:cNvSpPr>
@@ -16369,6 +16080,7 @@
               </a:defRPr>
             </a:pPr>
             <a:r>
+              <a:rPr dirty="0"/>
               <a:t>	Com dados bibliográficos, os conceitos da programação orientada a objetos (POO) surgiram no final da década de 1960, quando a linguagem Simula-68 introduziu os conceitos de objetos e troca de mensagens para construção de programas.</a:t>
             </a:r>
           </a:p>
@@ -16381,7 +16093,16 @@
               </a:defRPr>
             </a:pPr>
             <a:r>
-              <a:t>	Tais conceitos foram posteriormente amadurecidos e aprimorados durante a década de 1970 pela linguagem de programação Smalltalk, desenvolvida no laboratório de pesquisa da Xerox, nos Estados Unidos. Entretanto, a popularização da POO só se deu ao longo da década de 80 e 90, com as linguagens C++ e Java.</a:t>
+              <a:rPr dirty="0"/>
+              <a:t>	Tais conceitos foram posteriormente amadurecidos e aprimorados durante a década de 1970 pela linguagem de programação </a:t>
+            </a:r>
+            <a:r>
+              <a:rPr dirty="0" err="1"/>
+              <a:t>Smalltalk</a:t>
+            </a:r>
+            <a:r>
+              <a:rPr dirty="0"/>
+              <a:t>, desenvolvida no laboratório de pesquisa da Xerox, nos Estados Unidos. Entretanto, a popularização da POO só se deu ao longo da década de 80 e 90, com as linguagens C++ e Java.</a:t>
             </a:r>
           </a:p>
           <a:p>
@@ -16393,6 +16114,7 @@
               </a:defRPr>
             </a:pPr>
             <a:r>
+              <a:rPr dirty="0"/>
               <a:t>	Um dos principais pesquisadores que introduziu os conceitos de POO, foi o cientista Alan Kay </a:t>
             </a:r>
           </a:p>
@@ -16405,7 +16127,16 @@
               </a:defRPr>
             </a:pPr>
             <a:r>
-              <a:t>um dos criadores da linguagem Smalltalk. Durante suas pesquisas, Alan desenvolveu a ideia de que poderíamos construir um programa usando conceitos e abstrações do mundo real, como objetos, troca de mensagens. </a:t>
+              <a:rPr dirty="0"/>
+              <a:t>um dos criadores da linguagem </a:t>
+            </a:r>
+            <a:r>
+              <a:rPr dirty="0" err="1"/>
+              <a:t>Smalltalk</a:t>
+            </a:r>
+            <a:r>
+              <a:rPr dirty="0"/>
+              <a:t>. Durante suas pesquisas, Alan desenvolveu a ideia de que poderíamos construir um programa usando conceitos e abstrações do mundo real, como objetos, troca de mensagens. </a:t>
             </a:r>
           </a:p>
         </p:txBody>
@@ -16417,7 +16148,7 @@
             <a:picLocks noChangeAspect="1"/>
             <a:extLst>
               <a:ext uri="smNativeData">
-                <pr:smNativeData xmlns:pr="smNativeData" xmlns="smNativeData" val="SMDATA_17_q5OGZBMAAAAlAAAAEQAAAC8BAAAAkAAAAEgAAACQAAAASAAAAAAAAAAAAAAAAAAAAAEAAABQAAAAAAAAAAAA4D8AAAAAAADgPwAAAAAAAOA/AAAAAAAA4D8AAAAAAADgPwAAAAAAAOA/AAAAAAAA4D8AAAAAAADgPwAAAAAAAOA/AAAAAAAA4D8CAAAAjAAAAAAAAAAAAAAARHLEDP///wgAAAAAAAAAAAAAAAAAAAAAAAAAAAAAAAAAAAAAZAAAAAEAAABAAAAAAAAAAAAAAAAAAAAAAAAAAAAAAAAAAAAAAAAAAAAAAAAAAAAAAAAAAAAAAAAAAAAAAAAAAAAAAAAAAAAAAAAAAAAAAAAAAAAAAAAAAAAAAAAAAAAAFAAAADwAAAAAAAAAAAAAAAAAAAkUAAAAAQAAABQAAAAUAAAAFAAAAAEAAAAAAAAAZAAAAGQAAAAAAAAAZAAAAGQAAAAVAAAAYAAAAAAAAAAAAAAADwAAACADAAAAAAAAAAAAAAEAAACgMgAAVgcAAKr4//8BAAAAf39/AAEAAABkAAAAAAAAABQAAABAHwAAAAAAACYAAAAAAAAAwOD//wAAAAAmAAAAZAAAABYAAABMAAAAAAAAAAAAAAAEAAAAAAAAAAEAAADn5uYKAAAAACgAAAAoAAAAZAAAAGQAAAAAAAAAzMzMAAAAAABQAAAAUAAAAGQAAABkAAAAAAAAAAcAAAA4AAAAAAAAAAAAAAAAAAAA////AAAAAAAAAAAAAAAAAAAAAAAAAAAAAAAAAAAAAABkAAAAZAAAAAAAAAAjAAAABAAAAGQAAAAXAAAAFAAAAAAAAAAAAAAA/38AAP9/AAAAAAAACQAAAAQAAACAn+ULHgAAAGgAAAAAAAAAAAAAAAAAAAAAAAAAAAAAABAnAAAQJwAAAAAAAAAAAAAAAAAAAAAAAAAAAAAAAAAAAAAAAAAAAAAUAAAAAAAAAMDA/wAAAAAAZAAAADIAAAAAAAAAZAAAAAAAAAB/f38ACgAAACIAAAAYAAAAAAAAAAAAAAAAAAAAAAAAAAAAAAAAAAAAJAAAACQAAAAAAAAABwAAAAAAAAAAAAAAAAAAAAAAAAAAAAAAAAAAAH9/fwAlAAAAWAAAAAAAAAAAAAAAAAAAAAAAAAAAAAAAAAAAAAAAAAAAAAAAAAAAAAAAAAAAAAAAPwAAAAAAAACghgEAAAAAAAAAAAAAAAAADAAAAAEAAAAAAAAAAAAAAAAAAAAfAAAAVAAAAERyxAX///8BAAAAAAAAAAAAAAAAAAAAAAAAAAAAAAAAAAAAAAAAAAAAAAACf39/AOfm5gPMzMwAwMD/AH9/fwAAAAAAAAAAAAAAAAD///8AAAAAACEAAAAYAAAAFAAAAN4rAAAbBwAAt0QAANAbAAAAAAAAJgAAAAgAAAD//////////w=="/>
+                <pr:smNativeData xmlns="smNativeData" xmlns:pr="smNativeData" xmlns:p15="http://schemas.microsoft.com/office/powerpoint/2012/main" xmlns:p14="http://schemas.microsoft.com/office/powerpoint/2010/main" xmlns:mc="http://schemas.openxmlformats.org/markup-compatibility/2006" val="SMDATA_17_q5OGZBMAAAAlAAAAEQAAAC8BAAAAkAAAAEgAAACQAAAASAAAAAAAAAAAAAAAAAAAAAEAAABQAAAAAAAAAAAA4D8AAAAAAADgPwAAAAAAAOA/AAAAAAAA4D8AAAAAAADgPwAAAAAAAOA/AAAAAAAA4D8AAAAAAADgPwAAAAAAAOA/AAAAAAAA4D8CAAAAjAAAAAAAAAAAAAAARHLEDP///wgAAAAAAAAAAAAAAAAAAAAAAAAAAAAAAAAAAAAAZAAAAAEAAABAAAAAAAAAAAAAAAAAAAAAAAAAAAAAAAAAAAAAAAAAAAAAAAAAAAAAAAAAAAAAAAAAAAAAAAAAAAAAAAAAAAAAAAAAAAAAAAAAAAAAAAAAAAAAAAAAAAAAFAAAADwAAAAAAAAAAAAAAAAAAAkUAAAAAQAAABQAAAAUAAAAFAAAAAEAAAAAAAAAZAAAAGQAAAAAAAAAZAAAAGQAAAAVAAAAYAAAAAAAAAAAAAAADwAAACADAAAAAAAAAAAAAAEAAACgMgAAVgcAAKr4//8BAAAAf39/AAEAAABkAAAAAAAAABQAAABAHwAAAAAAACYAAAAAAAAAwOD//wAAAAAmAAAAZAAAABYAAABMAAAAAAAAAAAAAAAEAAAAAAAAAAEAAADn5uYKAAAAACgAAAAoAAAAZAAAAGQAAAAAAAAAzMzMAAAAAABQAAAAUAAAAGQAAABkAAAAAAAAAAcAAAA4AAAAAAAAAAAAAAAAAAAA////AAAAAAAAAAAAAAAAAAAAAAAAAAAAAAAAAAAAAABkAAAAZAAAAAAAAAAjAAAABAAAAGQAAAAXAAAAFAAAAAAAAAAAAAAA/38AAP9/AAAAAAAACQAAAAQAAACAn+ULHgAAAGgAAAAAAAAAAAAAAAAAAAAAAAAAAAAAABAnAAAQJwAAAAAAAAAAAAAAAAAAAAAAAAAAAAAAAAAAAAAAAAAAAAAUAAAAAAAAAMDA/wAAAAAAZAAAADIAAAAAAAAAZAAAAAAAAAB/f38ACgAAACIAAAAYAAAAAAAAAAAAAAAAAAAAAAAAAAAAAAAAAAAAJAAAACQAAAAAAAAABwAAAAAAAAAAAAAAAAAAAAAAAAAAAAAAAAAAAH9/fwAlAAAAWAAAAAAAAAAAAAAAAAAAAAAAAAAAAAAAAAAAAAAAAAAAAAAAAAAAAAAAAAAAAAAAPwAAAAAAAACghgEAAAAAAAAAAAAAAAAADAAAAAEAAAAAAAAAAAAAAAAAAAAfAAAAVAAAAERyxAX///8BAAAAAAAAAAAAAAAAAAAAAAAAAAAAAAAAAAAAAAAAAAAAAAACf39/AOfm5gPMzMwAwMD/AH9/fwAAAAAAAAAAAAAAAAD///8AAAAAACEAAAAYAAAAFAAAAN4rAAAbBwAAt0QAANAbAAAAAAAAJgAAAAgAAAD//////////w=="/>
               </a:ext>
             </a:extLst>
           </p:cNvPicPr>
@@ -16449,18 +16180,11 @@
   <p:clrMapOvr>
     <a:masterClrMapping/>
   </p:clrMapOvr>
-  <p:timing>
-    <p:tnLst>
-      <p:par>
-        <p:cTn id="1" dur="indefinite" restart="never" nodeType="tmRoot"/>
-      </p:par>
-    </p:tnLst>
-  </p:timing>
 </p:sld>
 </file>
 
 <file path=ppt/slides/slide4.xml><?xml version="1.0" encoding="utf-8"?>
-<p:sld xmlns:p="http://schemas.openxmlformats.org/presentationml/2006/main" xmlns:mc="http://schemas.openxmlformats.org/markup-compatibility/2006" xmlns:p14="http://schemas.microsoft.com/office/powerpoint/2010/main" xmlns:p15="http://schemas.microsoft.com/office/powerpoint/2012/main" xmlns:r="http://schemas.openxmlformats.org/officeDocument/2006/relationships" xmlns:a="http://schemas.openxmlformats.org/drawingml/2006/main" mc:Ignorable="p14">
+<p:sld xmlns:a="http://schemas.openxmlformats.org/drawingml/2006/main" xmlns:r="http://schemas.openxmlformats.org/officeDocument/2006/relationships" xmlns:p="http://schemas.openxmlformats.org/presentationml/2006/main">
   <p:cSld>
     <p:bg>
       <p:bgPr>
@@ -16490,7 +16214,7 @@
           <p:cNvSpPr>
             <a:extLst>
               <a:ext uri="smNativeData">
-                <pr:smNativeData xmlns:pr="smNativeData" xmlns="smNativeData" val="SMDATA_15_q5OGZBMAAAAlAAAAqgAAAA0AAAAAkAAAAEgAAACQAAAASAAAAAAAAAAAAAAAAAAAAAEAAABQAAAAda9fBcX/xz8AAAAAAADgPwAAAAAAAOA/AAAAAAAA4D8AAAAAAADgPwAAAAAAAOA/AAAAAAAA4D8AAAAAAADgPwAAAAAAAOA/AAAAAAAA4D8CAAAAjAAAAAEAAAADAAAAMz9PADM/TwAAAAAAZAAAAAAAAAAAAAAAAAAAAAAAAAAAAAAAZAAAAAEAAABAAAAAAAAAAGQAAAAOAQAAAAAAAAAAAAAAAAAAAAAAAAAAAAAAAAAAAAAAAAAAAAAAAAAAAAAAAAAAAAAAAAAAAAAAAAAAAAAAAAAAAAAAAAAAAAAAAAAAFAAAADwAAAABAAAAAAAAAP///wgoAAAAAQAAABQAAAAUAAAAFAAAAAEAAAAAAAAAZAAAAGQAAAAAAAAAZAAAAGQAAAAVAAAAYAAAAAAAAAAAAAAADwAAACADAAAAAAAAAAAAAAEAAACgMgAAVgcAAKr4//8BAAAAf39/AAEAAABkAAAAAAAAABQAAABAHwAAAAAAACYAAAAAAAAAwOD//wAAAAAmAAAAZAAAABYAAABMAAAAAAAAAAAAAAAEAAAAAAAAAAEAAADn5uYKAAAAACgAAAAoAAAAZAAAAGQAAAAAAAAAzMzMAAAAAABQAAAAUAAAAGQAAABkAAAAAAAAABcAAAAUAAAAAAAAAAAAAAD/fwAA/38AAAAAAAAJAAAABAAAAF8AYAAeAAAAaAAAAAAAAAAAAAAAAAAAAAAAAAAAAAAAECcAABAnAAAAAAAAAAAAAAAAAAAAAABkAAAAAAAAAAAAAAAAAAAAABQAAAAAAAAAwMD/AAAAAABkAAAAMgAAAAAAAABkAAAAAAAAAH9/fwAKAAAAIgAAABgAAAAAAAAAAAAAAAAAAAAAAAAAAAAAAAAAAAAkAAAAJAAAAAAAAAAHAAAAAAAAAAAAAAAAAAAAAAAAAAAAAAAAAAAAf39/ACUAAABYAAAAAAAAAAAAAAAAAAAAAAAAAAAAAAAAAAAAAAAAAAAAAAAAAAAAAAAAAAAAAAA/AAAAAAAAAKCGAQAAAAAAAAAAAAAAAAAMAAAAAQAAAAAAAAAAAAAAAAAAAB8AAABUAAAAMz9PADM/TwAAAAAAAAAAAAAAAAAAAAAAAAAAAAAAAAAAAAAAAAAAAP///wF/f38A5+bmA8zMzADAwP8Af39/AAAAAAAAAAAAAAAAAAAAAAAAAAAAIQAAABgAAAAUAAAAAAAAAAEAAAD/SgAALyoAABAAAAAmAAAACAAAAP//////////"/>
+                <pr:smNativeData xmlns="smNativeData" xmlns:pr="smNativeData" xmlns:p15="http://schemas.microsoft.com/office/powerpoint/2012/main" xmlns:p14="http://schemas.microsoft.com/office/powerpoint/2010/main" xmlns:mc="http://schemas.openxmlformats.org/markup-compatibility/2006" val="SMDATA_15_q5OGZBMAAAAlAAAAqgAAAA0AAAAAkAAAAEgAAACQAAAASAAAAAAAAAAAAAAAAAAAAAEAAABQAAAAda9fBcX/xz8AAAAAAADgPwAAAAAAAOA/AAAAAAAA4D8AAAAAAADgPwAAAAAAAOA/AAAAAAAA4D8AAAAAAADgPwAAAAAAAOA/AAAAAAAA4D8CAAAAjAAAAAEAAAADAAAAMz9PADM/TwAAAAAAZAAAAAAAAAAAAAAAAAAAAAAAAAAAAAAAZAAAAAEAAABAAAAAAAAAAGQAAAAOAQAAAAAAAAAAAAAAAAAAAAAAAAAAAAAAAAAAAAAAAAAAAAAAAAAAAAAAAAAAAAAAAAAAAAAAAAAAAAAAAAAAAAAAAAAAAAAAAAAAFAAAADwAAAABAAAAAAAAAP///wgoAAAAAQAAABQAAAAUAAAAFAAAAAEAAAAAAAAAZAAAAGQAAAAAAAAAZAAAAGQAAAAVAAAAYAAAAAAAAAAAAAAADwAAACADAAAAAAAAAAAAAAEAAACgMgAAVgcAAKr4//8BAAAAf39/AAEAAABkAAAAAAAAABQAAABAHwAAAAAAACYAAAAAAAAAwOD//wAAAAAmAAAAZAAAABYAAABMAAAAAAAAAAAAAAAEAAAAAAAAAAEAAADn5uYKAAAAACgAAAAoAAAAZAAAAGQAAAAAAAAAzMzMAAAAAABQAAAAUAAAAGQAAABkAAAAAAAAABcAAAAUAAAAAAAAAAAAAAD/fwAA/38AAAAAAAAJAAAABAAAAF8AYAAeAAAAaAAAAAAAAAAAAAAAAAAAAAAAAAAAAAAAECcAABAnAAAAAAAAAAAAAAAAAAAAAABkAAAAAAAAAAAAAAAAAAAAABQAAAAAAAAAwMD/AAAAAABkAAAAMgAAAAAAAABkAAAAAAAAAH9/fwAKAAAAIgAAABgAAAAAAAAAAAAAAAAAAAAAAAAAAAAAAAAAAAAkAAAAJAAAAAAAAAAHAAAAAAAAAAAAAAAAAAAAAAAAAAAAAAAAAAAAf39/ACUAAABYAAAAAAAAAAAAAAAAAAAAAAAAAAAAAAAAAAAAAAAAAAAAAAAAAAAAAAAAAAAAAAA/AAAAAAAAAKCGAQAAAAAAAAAAAAAAAAAMAAAAAQAAAAAAAAAAAAAAAAAAAB8AAABUAAAAMz9PADM/TwAAAAAAAAAAAAAAAAAAAAAAAAAAAAAAAAAAAAAAAAAAAP///wF/f38A5+bmA8zMzADAwP8Af39/AAAAAAAAAAAAAAAAAAAAAAAAAAAAIQAAABgAAAAUAAAAAAAAAAEAAAD/SgAALyoAABAAAAAmAAAACAAAAP//////////"/>
               </a:ext>
             </a:extLst>
           </p:cNvSpPr>
@@ -16537,7 +16261,7 @@
           <p:cNvSpPr>
             <a:extLst>
               <a:ext uri="smNativeData">
-                <pr:smNativeData xmlns:pr="smNativeData" xmlns="smNativeData" val="SMDATA_15_q5OGZBMAAAAlAAAAZAAAAA0AAAAAjgAAAEcAAACOAAAARwAAAAAAAAABAAAAAAAAAAEAAABQAAAAAAAAAAAA4D8AAAAAAADgPwAAAAAAAOA/AAAAAAAA4D8AAAAAAADgPwAAAAAAAOA/AAAAAAAA4D8AAAAAAADgPwAAAAAAAOA/AAAAAAAA4D8CAAAAjAAAAAEAAAAAAAAAIis1AP///wgAAAAAAAAAAAAAAAAAAAAAAAAAAAAAAAAAAAAAZAAAAAEAAABAAAAAAAAAAAAAAAAAAAAAAAAAAAAAAAAAAAAAAAAAAAAAAAAAAAAAAAAAAAAAAAAAAAAAAAAAAAAAAAAAAAAAAAAAAAAAAAAAAAAAAAAAAAAAAAAAAAAAFAAAADwAAAABAAAAAAAAAOfm5gooAAAAAQAAABQAAAAUAAAAFAAAAAEAAAAAAAAAZAAAAGQAAAAAAAAAZAAAAGQAAAAVAAAAYAAAAAAAAAAAAAAADwAAACADAAAAAAAAAAAAAAEAAACgMgAAVgcAAKr4//8BAAAAf39/AAEAAABkAAAAAAAAABQAAABAHwAAAAAAACYAAAAAAAAAwOD//wAAAAAmAAAAZAAAABYAAABMAAAAAAAAAAAAAAAEAAAAAAAAAAEAAADn5uYKAAAAACgAAAAoAAAAZAAAAGQAAAAAAAAAzMzMAAAAAABQAAAAUAAAAGQAAABkAAAAAAAAABcAAAAUAAAAAAAAAAAAAAD/fwAA/38AAAAAAAAJAAAABAAAAF8AYAAeAAAAaAAAAAAAAAAAAAAAAAAAAAAAAAAAAAAAECcAABAnAAAAAAAAAAAAAAAAAAAAAAAAAAAAAAAAAAAAAAAAAAAAABQAAAAAAAAAwMD/AAAAAABkAAAAMgAAAAAAAABkAAAAAAAAAH9/fwAKAAAAIgAAABgAAAAAAAAAAAAAAAAAAAAAAAAAAAAAAAAAAAAkAAAAJAAAAAAAAAAHAAAAAAAAAAAAAAAAAAAAAAAAAAAAAAAAAAAAf39/ACUAAABYAAAAAAAAAAAAAAAAAAAAAAAAAAAAAAAAAAAAAAAAAAAAAAAAAAAAAAAAAAAAAAA/AAAAAAAAAKCGAQAAAAAAAAAAAAAAAAAMAAAAAQAAAAAAAAAAAAAAAAAAAB8AAABUAAAAIis1AP///wEAAAAAAAAAAAAAAAAAAAAAAAAAAAAAAAAAAAAAAAAAAOfm5gN/f38A5+bmA8zMzADAwP8Af39/AAAAAAAAAAAAAAAAAAAAAAAAAAAAIQAAABgAAAAUAAAAtxEAAOkAAACYOQAA5AQAAAAAAAAmAAAACAAAAP//////////"/>
+                <pr:smNativeData xmlns="smNativeData" xmlns:pr="smNativeData" xmlns:p15="http://schemas.microsoft.com/office/powerpoint/2012/main" xmlns:p14="http://schemas.microsoft.com/office/powerpoint/2010/main" xmlns:mc="http://schemas.openxmlformats.org/markup-compatibility/2006" val="SMDATA_15_q5OGZBMAAAAlAAAAZAAAAA0AAAAAjgAAAEcAAACOAAAARwAAAAAAAAABAAAAAAAAAAEAAABQAAAAAAAAAAAA4D8AAAAAAADgPwAAAAAAAOA/AAAAAAAA4D8AAAAAAADgPwAAAAAAAOA/AAAAAAAA4D8AAAAAAADgPwAAAAAAAOA/AAAAAAAA4D8CAAAAjAAAAAEAAAAAAAAAIis1AP///wgAAAAAAAAAAAAAAAAAAAAAAAAAAAAAAAAAAAAAZAAAAAEAAABAAAAAAAAAAAAAAAAAAAAAAAAAAAAAAAAAAAAAAAAAAAAAAAAAAAAAAAAAAAAAAAAAAAAAAAAAAAAAAAAAAAAAAAAAAAAAAAAAAAAAAAAAAAAAAAAAAAAAFAAAADwAAAABAAAAAAAAAOfm5gooAAAAAQAAABQAAAAUAAAAFAAAAAEAAAAAAAAAZAAAAGQAAAAAAAAAZAAAAGQAAAAVAAAAYAAAAAAAAAAAAAAADwAAACADAAAAAAAAAAAAAAEAAACgMgAAVgcAAKr4//8BAAAAf39/AAEAAABkAAAAAAAAABQAAABAHwAAAAAAACYAAAAAAAAAwOD//wAAAAAmAAAAZAAAABYAAABMAAAAAAAAAAAAAAAEAAAAAAAAAAEAAADn5uYKAAAAACgAAAAoAAAAZAAAAGQAAAAAAAAAzMzMAAAAAABQAAAAUAAAAGQAAABkAAAAAAAAABcAAAAUAAAAAAAAAAAAAAD/fwAA/38AAAAAAAAJAAAABAAAAF8AYAAeAAAAaAAAAAAAAAAAAAAAAAAAAAAAAAAAAAAAECcAABAnAAAAAAAAAAAAAAAAAAAAAAAAAAAAAAAAAAAAAAAAAAAAABQAAAAAAAAAwMD/AAAAAABkAAAAMgAAAAAAAABkAAAAAAAAAH9/fwAKAAAAIgAAABgAAAAAAAAAAAAAAAAAAAAAAAAAAAAAAAAAAAAkAAAAJAAAAAAAAAAHAAAAAAAAAAAAAAAAAAAAAAAAAAAAAAAAAAAAf39/ACUAAABYAAAAAAAAAAAAAAAAAAAAAAAAAAAAAAAAAAAAAAAAAAAAAAAAAAAAAAAAAAAAAAA/AAAAAAAAAKCGAQAAAAAAAAAAAAAAAAAMAAAAAQAAAAAAAAAAAAAAAAAAAB8AAABUAAAAIis1AP///wEAAAAAAAAAAAAAAAAAAAAAAAAAAAAAAAAAAAAAAAAAAOfm5gN/f38A5+bmA8zMzADAwP8Af39/AAAAAAAAAAAAAAAAAAAAAAAAAAAAIQAAABgAAAAUAAAAtxEAAOkAAACYOQAA5AQAAAAAAAAmAAAACAAAAP//////////"/>
               </a:ext>
             </a:extLst>
           </p:cNvSpPr>
@@ -16574,29 +16298,21 @@
               </a:lnSpc>
               <a:defRPr lang="pt-br" cap="none">
                 <a:latin typeface="Arial" pitchFamily="2" charset="0"/>
-                <a:ea typeface="DejaVu Sans" pitchFamily="0" charset="0"/>
-                <a:cs typeface="DejaVu Sans" pitchFamily="0" charset="0"/>
+                <a:ea typeface="DejaVu Sans" charset="0"/>
+                <a:cs typeface="DejaVu Sans" charset="0"/>
               </a:defRPr>
             </a:pPr>
             <a:r>
-              <a:rPr lang="pt-br" sz="2800" b="1" cap="none">
+              <a:rPr lang="pt-br" sz="2800" b="1" cap="none" dirty="0">
                 <a:solidFill>
                   <a:srgbClr val="FFFFFF"/>
                 </a:solidFill>
                 <a:latin typeface="Calibri" pitchFamily="2" charset="0"/>
-                <a:ea typeface="DejaVu Sans" pitchFamily="0" charset="0"/>
-                <a:cs typeface="DejaVu Sans" pitchFamily="0" charset="0"/>
+                <a:ea typeface="DejaVu Sans" charset="0"/>
+                <a:cs typeface="DejaVu Sans" charset="0"/>
               </a:rPr>
-              <a:t>como nasceu a orientaçao a objetos</a:t>
+              <a:t>Como nasceu a orientação a objetos</a:t>
             </a:r>
-            <a:endParaRPr lang="pt-br" sz="2800" b="1" cap="none">
-              <a:solidFill>
-                <a:srgbClr val="FFFFFF"/>
-              </a:solidFill>
-              <a:latin typeface="Calibri" pitchFamily="2" charset="0"/>
-              <a:ea typeface="DejaVu Sans" pitchFamily="0" charset="0"/>
-              <a:cs typeface="DejaVu Sans" pitchFamily="0" charset="0"/>
-            </a:endParaRPr>
           </a:p>
         </p:txBody>
       </p:sp>
@@ -16606,7 +16322,7 @@
           <p:cNvSpPr txBox="1">
             <a:extLst>
               <a:ext uri="smNativeData">
-                <pr:smNativeData xmlns:pr="smNativeData" xmlns="smNativeData" val="SMDATA_15_q5OGZBMAAAAlAAAAEgAAAE8BAAAAkAAAAEgAAACQAAAASAAAAAAAAAAAAAAAAAAAAAEAAABQAAAAAAAAAAAA4D8AAAAAAADgPwAAAAAAAOA/AAAAAAAA4D8AAAAAAADgPwAAAAAAAOA/AAAAAAAA4D8AAAAAAADgPwAAAAAAAOA/AAAAAAAA4D8CAAAAjAAAAAAAAAAAAAAARHLEDP///wgAAAAAAAAAAAAAAAAAAAAAAAAAAAAAAAAAAAAAZAAAAAEAAABAAAAAAAAAAAAAAAAAAAAAAAAAAAAAAAAAAAAAAAAAAAAAAAAAAAAAAAAAAAAAAAAAAAAAAAAAAAAAAAAAAAAAAAAAAAAAAAAAAAAAAAAAAAAAAAAAAAAAFAAAADwAAAAAAAAAAAAAAAAAAAkUAAAAAQAAABQAAAAUAAAAFAAAAAEAAAAAAAAAZAAAAGQAAAAAAAAAZAAAAGQAAAAVAAAAYAAAAAAAAAAAAAAADwAAACADAAAAAAAAAAAAAAEAAACgMgAAVgcAAKr4//8BAAAAf39/AAEAAABkAAAAAAAAABQAAABAHwAAAAAAACYAAAAAAAAAwOD//wAAAAAmAAAAZAAAABYAAABMAAAAAAAAAAAAAAAEAAAAAAAAAAEAAADn5uYKAAAAACgAAAAoAAAAZAAAAGQAAAAAAAAAzMzMAAAAAABQAAAAUAAAAGQAAABkAAAAAAAAABcAAAAUAAAAAAAAAAUhAAD/fwAA/38AAAAAAAAJAAAABAAAAF8AYAAeAAAAaAAAAAAAAAAAAAAAAAAAAAAAAAAAAAAAECcAABAnAAAAAAAAAAAAAAAAAAAAAAAAAAAAAAAAAAAAAAAAAAAAABQAAAAAAAAAwMD/AAAAAABkAAAAMgAAAAAAAABkAAAAAAAAAH9/fwAKAAAAIgAAABgAAAAAAAAAAAAAAAAAAAAAAAAAAAAAAAAAAAAkAAAAJAAAAAAAAAAHAAAAAAAAAAAAAAAAAAAAAAAAAAAAAAAAAAAAf39/ACUAAABYAAAAAAAAAAAAAAAAAAAAAAAAAAAAAAAAAAAAAAAAAAAAAAAAAAAAAAAAAAAAAAA/AAAAAAAAAKCGAQAAAAAAAAAAAAAAAAAMAAAAAQAAAAAAAAAAAAAAAAAAAB8AAABUAAAARHLEBf///wEAAAAAAAAAAAAAAAAAAAAAAAAAAAAAAAAAAAAAAAAAAAAAAAJ/f38A5+bmA8zMzADAwP8Af39/AAAAAAAAAAAAAAAAAAAAAAAAAAAAIQAAABgAAAAUAAAAwQIAALwFAADDJgAATCEAAAAgAAAmAAAACAAAAP//////////"/>
+                <pr:smNativeData xmlns="smNativeData" xmlns:pr="smNativeData" xmlns:p15="http://schemas.microsoft.com/office/powerpoint/2012/main" xmlns:p14="http://schemas.microsoft.com/office/powerpoint/2010/main" xmlns:mc="http://schemas.openxmlformats.org/markup-compatibility/2006" val="SMDATA_15_q5OGZBMAAAAlAAAAEgAAAE8BAAAAkAAAAEgAAACQAAAASAAAAAAAAAAAAAAAAAAAAAEAAABQAAAAAAAAAAAA4D8AAAAAAADgPwAAAAAAAOA/AAAAAAAA4D8AAAAAAADgPwAAAAAAAOA/AAAAAAAA4D8AAAAAAADgPwAAAAAAAOA/AAAAAAAA4D8CAAAAjAAAAAAAAAAAAAAARHLEDP///wgAAAAAAAAAAAAAAAAAAAAAAAAAAAAAAAAAAAAAZAAAAAEAAABAAAAAAAAAAAAAAAAAAAAAAAAAAAAAAAAAAAAAAAAAAAAAAAAAAAAAAAAAAAAAAAAAAAAAAAAAAAAAAAAAAAAAAAAAAAAAAAAAAAAAAAAAAAAAAAAAAAAAFAAAADwAAAAAAAAAAAAAAAAAAAkUAAAAAQAAABQAAAAUAAAAFAAAAAEAAAAAAAAAZAAAAGQAAAAAAAAAZAAAAGQAAAAVAAAAYAAAAAAAAAAAAAAADwAAACADAAAAAAAAAAAAAAEAAACgMgAAVgcAAKr4//8BAAAAf39/AAEAAABkAAAAAAAAABQAAABAHwAAAAAAACYAAAAAAAAAwOD//wAAAAAmAAAAZAAAABYAAABMAAAAAAAAAAAAAAAEAAAAAAAAAAEAAADn5uYKAAAAACgAAAAoAAAAZAAAAGQAAAAAAAAAzMzMAAAAAABQAAAAUAAAAGQAAABkAAAAAAAAABcAAAAUAAAAAAAAAAUhAAD/fwAA/38AAAAAAAAJAAAABAAAAF8AYAAeAAAAaAAAAAAAAAAAAAAAAAAAAAAAAAAAAAAAECcAABAnAAAAAAAAAAAAAAAAAAAAAAAAAAAAAAAAAAAAAAAAAAAAABQAAAAAAAAAwMD/AAAAAABkAAAAMgAAAAAAAABkAAAAAAAAAH9/fwAKAAAAIgAAABgAAAAAAAAAAAAAAAAAAAAAAAAAAAAAAAAAAAAkAAAAJAAAAAAAAAAHAAAAAAAAAAAAAAAAAAAAAAAAAAAAAAAAAAAAf39/ACUAAABYAAAAAAAAAAAAAAAAAAAAAAAAAAAAAAAAAAAAAAAAAAAAAAAAAAAAAAAAAAAAAAA/AAAAAAAAAKCGAQAAAAAAAAAAAAAAAAAMAAAAAQAAAAAAAAAAAAAAAAAAAB8AAABUAAAARHLEBf///wEAAAAAAAAAAAAAAAAAAAAAAAAAAAAAAAAAAAAAAAAAAAAAAAJ/f38A5+bmA8zMzADAwP8Af39/AAAAAAAAAAAAAAAAAAAAAAAAAAAAIQAAABgAAAAUAAAAwQIAALwFAADDJgAATCEAAAAgAAAmAAAACAAAAP//////////"/>
               </a:ext>
             </a:extLst>
           </p:cNvSpPr>
@@ -16637,6 +16353,7 @@
                 </a:solidFill>
               </a:defRPr>
             </a:pPr>
+            <a:endParaRPr dirty="0"/>
           </a:p>
           <a:p>
             <a:pPr>
@@ -16647,7 +16364,16 @@
               </a:defRPr>
             </a:pPr>
             <a:r>
-              <a:t>um dos criadores da linguagem Smalltalk. Durante suas pesquisas, Alan desenvolveu a ideia de que poderíamos construir um programa usando conceitos e abstrações do mundo real, como objetos, troca de mensagens. Houve um dia em que Alan Kay pensou: </a:t>
+              <a:rPr dirty="0"/>
+              <a:t>Um dos criadores da linguagem </a:t>
+            </a:r>
+            <a:r>
+              <a:rPr dirty="0" err="1"/>
+              <a:t>Smalltalk</a:t>
+            </a:r>
+            <a:r>
+              <a:rPr dirty="0"/>
+              <a:t>, durante suas pesquisas, Alan desenvolveu a ideia de que poderíamos construir um programa usando conceitos e abstrações do mundo real, como objetos, troca de mensagens. Houve um dia em que Alan Kay pensou: </a:t>
             </a:r>
           </a:p>
           <a:p>
@@ -16658,6 +16384,7 @@
                 </a:solidFill>
               </a:defRPr>
             </a:pPr>
+            <a:endParaRPr dirty="0"/>
           </a:p>
           <a:p>
             <a:pPr>
@@ -16668,10 +16395,9 @@
               </a:defRPr>
             </a:pPr>
             <a:r>
-              <a:rPr lang="pt-br" b="1" cap="none"/>
-              <a:t>como seria se um sisitema de software funcionasse como um ser vivo?</a:t>
+              <a:rPr lang="pt-br" b="1" cap="none" dirty="0"/>
+              <a:t>como seria se um sistema de software funcionasse como um ser vivo?</a:t>
             </a:r>
-            <a:endParaRPr lang="pt-br" b="1" cap="none"/>
           </a:p>
           <a:p>
             <a:pPr>
@@ -16681,6 +16407,7 @@
                 </a:solidFill>
               </a:defRPr>
             </a:pPr>
+            <a:endParaRPr lang="pt-br" b="1" cap="none" dirty="0"/>
           </a:p>
           <a:p>
             <a:pPr>
@@ -16691,6 +16418,7 @@
               </a:defRPr>
             </a:pPr>
             <a:r>
+              <a:rPr dirty="0"/>
               <a:t>Então, a partir desses questionamentos, ele começou a desenvolver suas ideias sobre um sistema de software fazendo uma comparação com o sistema de seres vivos</a:t>
             </a:r>
           </a:p>
@@ -16702,6 +16430,7 @@
                 </a:solidFill>
               </a:defRPr>
             </a:pPr>
+            <a:endParaRPr dirty="0"/>
           </a:p>
           <a:p>
             <a:pPr>
@@ -16711,6 +16440,7 @@
                 </a:solidFill>
               </a:defRPr>
             </a:pPr>
+            <a:endParaRPr dirty="0"/>
           </a:p>
         </p:txBody>
       </p:sp>
@@ -16720,7 +16450,7 @@
           <p:cNvSpPr txBox="1">
             <a:extLst>
               <a:ext uri="smNativeData">
-                <pr:smNativeData xmlns:pr="smNativeData" xmlns="smNativeData" val="SMDATA_15_q5OGZBMAAAAlAAAAEgAAAE8BAAAAkAAAAEgAAACQAAAASAAAAAAAAAAAAAAAAAAAAAEAAABQAAAAAAAAAAAA4D8AAAAAAADgPwAAAAAAAOA/AAAAAAAA4D8AAAAAAADgPwAAAAAAAOA/AAAAAAAA4D8AAAAAAADgPwAAAAAAAOA/AAAAAAAA4D8CAAAAjAAAAAAAAAAAAAAARHLEDP///wgAAAAAAAAAAAAAAAAAAAAAAAAAAAAAAAAAAAAAZAAAAAEAAABAAAAAAAAAAAAAAAAAAAAAAAAAAAAAAAAAAAAAAAAAAAAAAAAAAAAAAAAAAAAAAAAAAAAAAAAAAAAAAAAAAAAAAAAAAAAAAAAAAAAAAAAAAAAAAAAAAAAAFAAAADwAAAAAAAAAAAAAAAAAAAkUAAAAAQAAABQAAAAUAAAAFAAAAAEAAAAAAAAAZAAAAGQAAAAAAAAAZAAAAGQAAAAVAAAAYAAAAAAAAAAAAAAADwAAACADAAAAAAAAAAAAAAEAAACgMgAAVgcAAKr4//8BAAAAf39/AAEAAABkAAAAAAAAABQAAABAHwAAAAAAACYAAAAAAAAAwOD//wAAAAAmAAAAZAAAABYAAABMAAAAAAAAAAAAAAAEAAAAAAAAAAEAAADn5uYKAAAAACgAAAAoAAAAZAAAAGQAAAAAAAAAzMzMAAAAAABQAAAAUAAAAGQAAABkAAAAAAAAABcAAAAUAAAAAAAAAJ0KAAD/fwAA/38AAAAAAAAJAAAABAAAAF8AYAAeAAAAaAAAAAAAAAAAAAAAAAAAAAAAAAAAAAAAECcAABAnAAAAAAAAAAAAAAAAAAAAAAAAAAAAAAAAAAAAAAAAAAAAABQAAAAAAAAAwMD/AAAAAABkAAAAMgAAAAAAAABkAAAAAAAAAH9/fwAKAAAAIgAAABgAAAAAAAAAAAAAAAAAAAAAAAAAAAAAAAAAAAAkAAAAJAAAAAAAAAAHAAAAAAAAAAAAAAAAAAAAAAAAAAAAAAAAAAAAf39/ACUAAABYAAAAAAAAAAAAAAAAAAAAAAAAAAAAAAAAAAAAAAAAAAAAAAAAAAAAAAAAAAAAAAA/AAAAAAAAAKCGAQAAAAAAAAAAAAAAAAAMAAAAAQAAAAAAAAAAAAAAAAAAAB8AAABUAAAARHLEBf///wEAAAAAAAAAAAAAAAAAAAAAAAAAAAAAAAAAAAAAAAAAAAAAAAJ/f38A5+bmA8zMzADAwP8Af39/AAAAAAAAAAAAAAAAAAAAAAAAAAAAIQAAABgAAAAUAAAAoCcAAKgFAACWSQAAiB8AAAAgAAAmAAAACAAAAP//////////"/>
+                <pr:smNativeData xmlns="smNativeData" xmlns:pr="smNativeData" xmlns:p15="http://schemas.microsoft.com/office/powerpoint/2012/main" xmlns:p14="http://schemas.microsoft.com/office/powerpoint/2010/main" xmlns:mc="http://schemas.openxmlformats.org/markup-compatibility/2006" val="SMDATA_15_q5OGZBMAAAAlAAAAEgAAAE8BAAAAkAAAAEgAAACQAAAASAAAAAAAAAAAAAAAAAAAAAEAAABQAAAAAAAAAAAA4D8AAAAAAADgPwAAAAAAAOA/AAAAAAAA4D8AAAAAAADgPwAAAAAAAOA/AAAAAAAA4D8AAAAAAADgPwAAAAAAAOA/AAAAAAAA4D8CAAAAjAAAAAAAAAAAAAAARHLEDP///wgAAAAAAAAAAAAAAAAAAAAAAAAAAAAAAAAAAAAAZAAAAAEAAABAAAAAAAAAAAAAAAAAAAAAAAAAAAAAAAAAAAAAAAAAAAAAAAAAAAAAAAAAAAAAAAAAAAAAAAAAAAAAAAAAAAAAAAAAAAAAAAAAAAAAAAAAAAAAAAAAAAAAFAAAADwAAAAAAAAAAAAAAAAAAAkUAAAAAQAAABQAAAAUAAAAFAAAAAEAAAAAAAAAZAAAAGQAAAAAAAAAZAAAAGQAAAAVAAAAYAAAAAAAAAAAAAAADwAAACADAAAAAAAAAAAAAAEAAACgMgAAVgcAAKr4//8BAAAAf39/AAEAAABkAAAAAAAAABQAAABAHwAAAAAAACYAAAAAAAAAwOD//wAAAAAmAAAAZAAAABYAAABMAAAAAAAAAAAAAAAEAAAAAAAAAAEAAADn5uYKAAAAACgAAAAoAAAAZAAAAGQAAAAAAAAAzMzMAAAAAABQAAAAUAAAAGQAAABkAAAAAAAAABcAAAAUAAAAAAAAAJ0KAAD/fwAA/38AAAAAAAAJAAAABAAAAF8AYAAeAAAAaAAAAAAAAAAAAAAAAAAAAAAAAAAAAAAAECcAABAnAAAAAAAAAAAAAAAAAAAAAAAAAAAAAAAAAAAAAAAAAAAAABQAAAAAAAAAwMD/AAAAAABkAAAAMgAAAAAAAABkAAAAAAAAAH9/fwAKAAAAIgAAABgAAAAAAAAAAAAAAAAAAAAAAAAAAAAAAAAAAAAkAAAAJAAAAAAAAAAHAAAAAAAAAAAAAAAAAAAAAAAAAAAAAAAAAAAAf39/ACUAAABYAAAAAAAAAAAAAAAAAAAAAAAAAAAAAAAAAAAAAAAAAAAAAAAAAAAAAAAAAAAAAAA/AAAAAAAAAKCGAQAAAAAAAAAAAAAAAAAMAAAAAQAAAAAAAAAAAAAAAAAAAB8AAABUAAAARHLEBf///wEAAAAAAAAAAAAAAAAAAAAAAAAAAAAAAAAAAAAAAAAAAAAAAAJ/f38A5+bmA8zMzADAwP8Af39/AAAAAAAAAAAAAAAAAAAAAAAAAAAAIQAAABgAAAAUAAAAoCcAAKgFAACWSQAAiB8AAAAgAAAmAAAACAAAAP//////////"/>
               </a:ext>
             </a:extLst>
           </p:cNvSpPr>
@@ -16752,6 +16482,7 @@
               </a:defRPr>
             </a:pPr>
             <a:r>
+              <a:rPr dirty="0"/>
               <a:t>Até aqui, você aprendeu o conceito de programação estruturada, na qual um programa é construído por meio de funções e procedimentos. Na programação estruturada na linguagem C, um programa é definido por meio de uma função principal a qual faz chamadas a outras funções implementadas por nós, programadores.</a:t>
             </a:r>
           </a:p>
@@ -16764,7 +16495,8 @@
               </a:defRPr>
             </a:pPr>
             <a:r>
-              <a:t>	Na programação POO, a forma de pensar (o paradigma) é diferente. Um programa é visto como um conjunto de objetos que se comunicam através de mensagens.Cada objeto mantém dados internos, chamados de atributos. Dessa forma, um sistemadesenvolvido usando a POO possui objetos que colaboram entre si, executando tarefas específicas em busca de um objetivo comum.</a:t>
+              <a:rPr dirty="0"/>
+              <a:t>	Na programação POO, a forma de pensar (o paradigma) é diferente. Um programa é visto como um conjunto de objetos que se comunicam através de mensagens. Cada objeto mantém dados internos, chamados de atributos. Dessa forma, um sistema desenvolvido usando a POO possui objetos que colaboram entre si, executando tarefas específicas em busca de um objetivo comum.</a:t>
             </a:r>
           </a:p>
         </p:txBody>
@@ -16774,18 +16506,11 @@
   <p:clrMapOvr>
     <a:masterClrMapping/>
   </p:clrMapOvr>
-  <p:timing>
-    <p:tnLst>
-      <p:par>
-        <p:cTn id="1" dur="indefinite" restart="never" nodeType="tmRoot"/>
-      </p:par>
-    </p:tnLst>
-  </p:timing>
 </p:sld>
 </file>
 
 <file path=ppt/slides/slide5.xml><?xml version="1.0" encoding="utf-8"?>
-<p:sld xmlns:p="http://schemas.openxmlformats.org/presentationml/2006/main" xmlns:mc="http://schemas.openxmlformats.org/markup-compatibility/2006" xmlns:p14="http://schemas.microsoft.com/office/powerpoint/2010/main" xmlns:p15="http://schemas.microsoft.com/office/powerpoint/2012/main" xmlns:r="http://schemas.openxmlformats.org/officeDocument/2006/relationships" xmlns:a="http://schemas.openxmlformats.org/drawingml/2006/main" mc:Ignorable="p14">
+<p:sld xmlns:a="http://schemas.openxmlformats.org/drawingml/2006/main" xmlns:r="http://schemas.openxmlformats.org/officeDocument/2006/relationships" xmlns:p="http://schemas.openxmlformats.org/presentationml/2006/main">
   <p:cSld>
     <p:bg>
       <p:bgPr>
@@ -16815,7 +16540,7 @@
           <p:cNvSpPr>
             <a:extLst>
               <a:ext uri="smNativeData">
-                <pr:smNativeData xmlns:pr="smNativeData" xmlns="smNativeData" val="SMDATA_15_q5OGZBMAAAAlAAAAqgAAAA0AAAAAkAAAAEgAAACQAAAASAAAAAAAAAAAAAAAAAAAAAEAAABQAAAAda9fBcX/xz8AAAAAAADgPwAAAAAAAOA/AAAAAAAA4D8AAAAAAADgPwAAAAAAAOA/AAAAAAAA4D8AAAAAAADgPwAAAAAAAOA/AAAAAAAA4D8CAAAAjAAAAAEAAAAAAAAANEBQAP///wgAAAAAAAAAAAAAAAAAAAAAAAAAAAAAAAAAAAAAZAAAAAEAAABAAAAAAAAAAAAAAAAAAAAAAAAAAAAAAAAAAAAAAAAAAAAAAAAAAAAAAAAAAAAAAAAAAAAAAAAAAAAAAAAAAAAAAAAAAAAAAAAAAAAAAAAAAAAAAAAAAAAAFAAAADwAAAABAAAAAAAAAP///wgoAAAAAQAAABQAAAAUAAAAFAAAAAEAAAAAAAAAZAAAAGQAAAAAAAAAZAAAAGQAAAAVAAAAYAAAAAAAAAAAAAAADwAAACADAAAAAAAAAAAAAAEAAACgMgAAVgcAAKr4//8BAAAAf39/AAEAAABkAAAAAAAAABQAAABAHwAAAAAAACYAAAAAAAAAwOD//wAAAAAmAAAAZAAAABYAAABMAAAAAAAAAAAAAAAEAAAAAAAAAAEAAADn5uYKAAAAACgAAAAoAAAAZAAAAGQAAAAAAAAAzMzMAAAAAABQAAAAUAAAAGQAAABkAAAAAAAAABcAAAAUAAAAAAAAAAAAAAD/fwAA/38AAAAAAAAJAAAABAAAAAAAAAAeAAAAaAAAAAAAAAAAAAAAAAAAAAAAAAAAAAAAECcAABAnAAAAAAAAAAAAAAAAAAAAAAAAAAAAAAAAAAAAAAAAAAAAABQAAAAAAAAAwMD/AAAAAABkAAAAMgAAAAAAAABkAAAAAAAAAH9/fwAKAAAAIgAAABgAAAAAAAAAAAAAAAAAAAAAAAAAAAAAAAAAAAAkAAAAJAAAAAAAAAAHAAAAAAAAAAAAAAAAAAAAAAAAAAAAAAAAAAAAf39/ACUAAABYAAAAAAAAAAAAAAAAAAAAAAAAAAAAAAAAAAAAAAAAAAAAAAAAAAAAAAAAAAAAAAA/AAAAAAAAAKCGAQAAAAAAAAAAAAAAAAAMAAAAAQAAAAAAAAAAAAAAAAAAAB8AAABUAAAANEBQAP///wEAAAAAAAAAAAAAAAAAAAAAAAAAAAAAAAAAAAAAAAAAAP///wF/f38A5+bmA8zMzADAwP8Af39/AAAAAAAAAAAAAAAAAAAAAAAAAAAAIQAAABgAAAAUAAAAAAAAAAAAAAD/SgAALyoAABAAAAAmAAAACAAAAP//////////"/>
+                <pr:smNativeData xmlns="smNativeData" xmlns:pr="smNativeData" xmlns:p15="http://schemas.microsoft.com/office/powerpoint/2012/main" xmlns:p14="http://schemas.microsoft.com/office/powerpoint/2010/main" xmlns:mc="http://schemas.openxmlformats.org/markup-compatibility/2006" val="SMDATA_15_q5OGZBMAAAAlAAAAqgAAAA0AAAAAkAAAAEgAAACQAAAASAAAAAAAAAAAAAAAAAAAAAEAAABQAAAAda9fBcX/xz8AAAAAAADgPwAAAAAAAOA/AAAAAAAA4D8AAAAAAADgPwAAAAAAAOA/AAAAAAAA4D8AAAAAAADgPwAAAAAAAOA/AAAAAAAA4D8CAAAAjAAAAAEAAAAAAAAANEBQAP///wgAAAAAAAAAAAAAAAAAAAAAAAAAAAAAAAAAAAAAZAAAAAEAAABAAAAAAAAAAAAAAAAAAAAAAAAAAAAAAAAAAAAAAAAAAAAAAAAAAAAAAAAAAAAAAAAAAAAAAAAAAAAAAAAAAAAAAAAAAAAAAAAAAAAAAAAAAAAAAAAAAAAAFAAAADwAAAABAAAAAAAAAP///wgoAAAAAQAAABQAAAAUAAAAFAAAAAEAAAAAAAAAZAAAAGQAAAAAAAAAZAAAAGQAAAAVAAAAYAAAAAAAAAAAAAAADwAAACADAAAAAAAAAAAAAAEAAACgMgAAVgcAAKr4//8BAAAAf39/AAEAAABkAAAAAAAAABQAAABAHwAAAAAAACYAAAAAAAAAwOD//wAAAAAmAAAAZAAAABYAAABMAAAAAAAAAAAAAAAEAAAAAAAAAAEAAADn5uYKAAAAACgAAAAoAAAAZAAAAGQAAAAAAAAAzMzMAAAAAABQAAAAUAAAAGQAAABkAAAAAAAAABcAAAAUAAAAAAAAAAAAAAD/fwAA/38AAAAAAAAJAAAABAAAAAAAAAAeAAAAaAAAAAAAAAAAAAAAAAAAAAAAAAAAAAAAECcAABAnAAAAAAAAAAAAAAAAAAAAAAAAAAAAAAAAAAAAAAAAAAAAABQAAAAAAAAAwMD/AAAAAABkAAAAMgAAAAAAAABkAAAAAAAAAH9/fwAKAAAAIgAAABgAAAAAAAAAAAAAAAAAAAAAAAAAAAAAAAAAAAAkAAAAJAAAAAAAAAAHAAAAAAAAAAAAAAAAAAAAAAAAAAAAAAAAAAAAf39/ACUAAABYAAAAAAAAAAAAAAAAAAAAAAAAAAAAAAAAAAAAAAAAAAAAAAAAAAAAAAAAAAAAAAA/AAAAAAAAAKCGAQAAAAAAAAAAAAAAAAAMAAAAAQAAAAAAAAAAAAAAAAAAAB8AAABUAAAANEBQAP///wEAAAAAAAAAAAAAAAAAAAAAAAAAAAAAAAAAAAAAAAAAAP///wF/f38A5+bmA8zMzADAwP8Af39/AAAAAAAAAAAAAAAAAAAAAAAAAAAAIQAAABgAAAAUAAAAAAAAAAAAAAD/SgAALyoAABAAAAAmAAAACAAAAP//////////"/>
               </a:ext>
             </a:extLst>
           </p:cNvSpPr>
@@ -16851,7 +16576,7 @@
           <p:cNvSpPr>
             <a:extLst>
               <a:ext uri="smNativeData">
-                <pr:smNativeData xmlns:pr="smNativeData" xmlns="smNativeData" val="SMDATA_15_q5OGZBMAAAAlAAAAZAAAAA0AAAAAjgAAAEcAAACOAAAARwAAAAAAAAABAAAAAAAAAAEAAABQAAAAAAAAAAAA4D8AAAAAAADgPwAAAAAAAOA/AAAAAAAA4D8AAAAAAADgPwAAAAAAAOA/AAAAAAAA4D8AAAAAAADgPwAAAAAAAOA/AAAAAAAA4D8CAAAAjAAAAAEAAAAAAAAAIis1AP///wgAAAAAAAAAAAAAAAAAAAAAAAAAAAAAAAAAAAAAZAAAAAEAAABAAAAAAAAAAAAAAAAAAAAAAAAAAAAAAAAAAAAAAAAAAAAAAAAAAAAAAAAAAAAAAAAAAAAAAAAAAAAAAAAAAAAAAAAAAAAAAAAAAAAAAAAAAAAAAAAAAAAAFAAAADwAAAABAAAAAAAAAOfm5gooAAAAAQAAABQAAAAUAAAAFAAAAAEAAAAAAAAAZAAAAGQAAAAAAAAAZAAAAGQAAAAVAAAAYAAAAAAAAAAAAAAADwAAACADAAAAAAAAAAAAAAEAAACgMgAAVgcAAKr4//8BAAAAf39/AAEAAABkAAAAAAAAABQAAABAHwAAAAAAACYAAAAAAAAAwOD//wAAAAAmAAAAZAAAABYAAABMAAAAAAAAAAAAAAAEAAAAAAAAAAEAAADn5uYKAAAAACgAAAAoAAAAZAAAAGQAAAAAAAAAzMzMAAAAAABQAAAAUAAAAGQAAABkAAAAAAAAABcAAAAUAAAAAAAAAAAAAAD/fwAA/38AAAAAAAAJAAAABAAAAAAAAAAeAAAAaAAAAAAAAAAAAAAAAAAAAAAAAAAAAAAAECcAABAnAAAAAAAAAAAAAAAAAAAAAAAAAAAAAAAAAAAAAAAAAAAAABQAAAAAAAAAwMD/AAAAAABkAAAAMgAAAAAAAABkAAAAAAAAAH9/fwAKAAAAIgAAABgAAAAAAAAAAAAAAAAAAAAAAAAAAAAAAAAAAAAkAAAAJAAAAAAAAAAHAAAAAAAAAAAAAAAAAAAAAAAAAAAAAAAAAAAAf39/ACUAAABYAAAAAAAAAAAAAAAAAAAAAAAAAAAAAAAAAAAAAAAAAAAAAAAAAAAAAAAAAAAAAAA/AAAAAAAAAKCGAQAAAAAAAAAAAAAAAAAMAAAAAQAAAAAAAAAAAAAAAAAAAB8AAABUAAAAIis1AP///wEAAAAAAAAAAAAAAAAAAAAAAAAAAAAAAAAAAAAAAAAAAOfm5gN/f38A5+bmA8zMzADAwP8Af39/AAAAAAAAAAAAAAAAAAAAAAAAAAAAIQAAABgAAAAUAAAAkBEAANwAAABwOQAA1gQAABAAAAAmAAAACAAAAP//////////"/>
+                <pr:smNativeData xmlns="smNativeData" xmlns:pr="smNativeData" xmlns:p15="http://schemas.microsoft.com/office/powerpoint/2012/main" xmlns:p14="http://schemas.microsoft.com/office/powerpoint/2010/main" xmlns:mc="http://schemas.openxmlformats.org/markup-compatibility/2006" val="SMDATA_15_q5OGZBMAAAAlAAAAZAAAAA0AAAAAjgAAAEcAAACOAAAARwAAAAAAAAABAAAAAAAAAAEAAABQAAAAAAAAAAAA4D8AAAAAAADgPwAAAAAAAOA/AAAAAAAA4D8AAAAAAADgPwAAAAAAAOA/AAAAAAAA4D8AAAAAAADgPwAAAAAAAOA/AAAAAAAA4D8CAAAAjAAAAAEAAAAAAAAAIis1AP///wgAAAAAAAAAAAAAAAAAAAAAAAAAAAAAAAAAAAAAZAAAAAEAAABAAAAAAAAAAAAAAAAAAAAAAAAAAAAAAAAAAAAAAAAAAAAAAAAAAAAAAAAAAAAAAAAAAAAAAAAAAAAAAAAAAAAAAAAAAAAAAAAAAAAAAAAAAAAAAAAAAAAAFAAAADwAAAABAAAAAAAAAOfm5gooAAAAAQAAABQAAAAUAAAAFAAAAAEAAAAAAAAAZAAAAGQAAAAAAAAAZAAAAGQAAAAVAAAAYAAAAAAAAAAAAAAADwAAACADAAAAAAAAAAAAAAEAAACgMgAAVgcAAKr4//8BAAAAf39/AAEAAABkAAAAAAAAABQAAABAHwAAAAAAACYAAAAAAAAAwOD//wAAAAAmAAAAZAAAABYAAABMAAAAAAAAAAAAAAAEAAAAAAAAAAEAAADn5uYKAAAAACgAAAAoAAAAZAAAAGQAAAAAAAAAzMzMAAAAAABQAAAAUAAAAGQAAABkAAAAAAAAABcAAAAUAAAAAAAAAAAAAAD/fwAA/38AAAAAAAAJAAAABAAAAAAAAAAeAAAAaAAAAAAAAAAAAAAAAAAAAAAAAAAAAAAAECcAABAnAAAAAAAAAAAAAAAAAAAAAAAAAAAAAAAAAAAAAAAAAAAAABQAAAAAAAAAwMD/AAAAAABkAAAAMgAAAAAAAABkAAAAAAAAAH9/fwAKAAAAIgAAABgAAAAAAAAAAAAAAAAAAAAAAAAAAAAAAAAAAAAkAAAAJAAAAAAAAAAHAAAAAAAAAAAAAAAAAAAAAAAAAAAAAAAAAAAAf39/ACUAAABYAAAAAAAAAAAAAAAAAAAAAAAAAAAAAAAAAAAAAAAAAAAAAAAAAAAAAAAAAAAAAAA/AAAAAAAAAKCGAQAAAAAAAAAAAAAAAAAMAAAAAQAAAAAAAAAAAAAAAAAAAB8AAABUAAAAIis1AP///wEAAAAAAAAAAAAAAAAAAAAAAAAAAAAAAAAAAAAAAAAAAOfm5gN/f38A5+bmA8zMzADAwP8Af39/AAAAAAAAAAAAAAAAAAAAAAAAAAAAIQAAABgAAAAUAAAAkBEAANwAAABwOQAA1gQAABAAAAAmAAAACAAAAP//////////"/>
               </a:ext>
             </a:extLst>
           </p:cNvSpPr>
@@ -16888,8 +16613,8 @@
               </a:lnSpc>
               <a:defRPr lang="pt-br" cap="none">
                 <a:latin typeface="Arial" pitchFamily="2" charset="0"/>
-                <a:ea typeface="DejaVu Sans" pitchFamily="0" charset="0"/>
-                <a:cs typeface="DejaVu Sans" pitchFamily="0" charset="0"/>
+                <a:ea typeface="DejaVu Sans" charset="0"/>
+                <a:cs typeface="DejaVu Sans" charset="0"/>
               </a:defRPr>
             </a:pPr>
             <a:r>
@@ -16898,8 +16623,8 @@
                   <a:srgbClr val="FFFFFF"/>
                 </a:solidFill>
                 <a:latin typeface="Calibri" pitchFamily="2" charset="0"/>
-                <a:ea typeface="DejaVu Sans" pitchFamily="0" charset="0"/>
-                <a:cs typeface="DejaVu Sans" pitchFamily="0" charset="0"/>
+                <a:ea typeface="DejaVu Sans" charset="0"/>
+                <a:cs typeface="DejaVu Sans" charset="0"/>
               </a:rPr>
               <a:t>O que é programação orientada a objetos</a:t>
             </a:r>
@@ -16913,7 +16638,7 @@
           <p:cNvSpPr>
             <a:extLst>
               <a:ext uri="smNativeData">
-                <pr:smNativeData xmlns:pr="smNativeData" xmlns="smNativeData" val="SMDATA_15_q5OGZBMAAAAlAAAAZAAAAE0AAAAAjgAAAEcAAACOAAAARwAAAAAAAAAAAAAAAAAAAAEAAABQAAAAAAAAAAAA4D8AAAAAAADgPwAAAAAAAOA/AAAAAAAA4D8AAAAAAADgPwAAAAAAAOA/AAAAAAAA4D8AAAAAAADgPwAAAAAAAOA/AAAAAAAA4D8CAAAAjAAAAAAAAAAAAAAARHLEDP///wgAAAAAAAAAAAAAAAAAAAAAAAAAAAAAAAAAAAAAZAAAAAEAAABAAAAAAAAAAAAAAAAAAAAAAAAAAAAAAAAAAAAAAAAAAAAAAAAAAAAAAAAAAAAAAAAAAAAAAAAAAAAAAAAAAAAAAAAAAAAAAAAAAAAAAAAAAAAAAAAAAAAAFAAAADwAAAAAAAAAAAAAAAAAAAkUAAAAAQAAABQAAAAUAAAAFAAAAAEAAAAAAAAAZAAAAGQAAAAAAAAAZAAAAGQAAAAVAAAAYAAAAAAAAAAAAAAADwAAACADAAAAAAAAAAAAAAEAAACgMgAAVgcAAKr4//8BAAAAf39/AAEAAABkAAAAAAAAABQAAABAHwAAAAAAACYAAAAAAAAAwOD//wAAAAAmAAAAZAAAABYAAABMAAAAAAAAAAAAAAAEAAAAAAAAAAEAAADn5uYKAAAAACgAAAAoAAAAZAAAAGQAAAAAAAAAzMzMAAAAAABQAAAAUAAAAGQAAABkAAAAAAAAABcAAAAUAAAAAAAAAAAAAAD/fwAA/38AAAAAAAAJAAAABAAAAF8AYAAeAAAAaAAAAAAAAAAAAAAAAAAAAAAAAAAAAAAAECcAABAnAAAAAAAAAAAAAAAAAAAAAAAAAAAAAAAAAAAAAAAAAAAAABQAAAAAAAAAwMD/AAAAAABkAAAAMgAAAAAAAABkAAAAAAAAAH9/fwAKAAAAIgAAABgAAAAAAAAAAAAAAAAAAAAAAAAAAAAAAAAAAAAkAAAAJAAAAAAAAAAHAAAAAAAAAAAAAAAAAAAAAAAAAAAAAAAAAAAAf39/ACUAAABYAAAAAAAAAAAAAAAAAAAAAAAAAAAAAAAAAAAAAAAAAAAAAAAAAAAAAAAAAAAAAAA/AAAAAAAAAKCGAQAAAAAAAAAAAAAAAAAMAAAAAQAAAAAAAAAAAAAAAAAAAB8AAABUAAAARHLEBf///wEAAAAAAAAAAAAAAAAAAAAAAAAAAAAAAAAAAAAAAAAAAAAAAAJ/f38A5+bmA8zMzADAwP8Af39/AAAAAAAAAAAAAAAAAAAAAAAAAAAAIQAAABgAAAAUAAAAwQMAAAEJAADhJwAALiEAABAgAAAmAAAACAAAAP//////////"/>
+                <pr:smNativeData xmlns="smNativeData" xmlns:pr="smNativeData" xmlns:p15="http://schemas.microsoft.com/office/powerpoint/2012/main" xmlns:p14="http://schemas.microsoft.com/office/powerpoint/2010/main" xmlns:mc="http://schemas.openxmlformats.org/markup-compatibility/2006" val="SMDATA_15_q5OGZBMAAAAlAAAAZAAAAE0AAAAAjgAAAEcAAACOAAAARwAAAAAAAAAAAAAAAAAAAAEAAABQAAAAAAAAAAAA4D8AAAAAAADgPwAAAAAAAOA/AAAAAAAA4D8AAAAAAADgPwAAAAAAAOA/AAAAAAAA4D8AAAAAAADgPwAAAAAAAOA/AAAAAAAA4D8CAAAAjAAAAAAAAAAAAAAARHLEDP///wgAAAAAAAAAAAAAAAAAAAAAAAAAAAAAAAAAAAAAZAAAAAEAAABAAAAAAAAAAAAAAAAAAAAAAAAAAAAAAAAAAAAAAAAAAAAAAAAAAAAAAAAAAAAAAAAAAAAAAAAAAAAAAAAAAAAAAAAAAAAAAAAAAAAAAAAAAAAAAAAAAAAAFAAAADwAAAAAAAAAAAAAAAAAAAkUAAAAAQAAABQAAAAUAAAAFAAAAAEAAAAAAAAAZAAAAGQAAAAAAAAAZAAAAGQAAAAVAAAAYAAAAAAAAAAAAAAADwAAACADAAAAAAAAAAAAAAEAAACgMgAAVgcAAKr4//8BAAAAf39/AAEAAABkAAAAAAAAABQAAABAHwAAAAAAACYAAAAAAAAAwOD//wAAAAAmAAAAZAAAABYAAABMAAAAAAAAAAAAAAAEAAAAAAAAAAEAAADn5uYKAAAAACgAAAAoAAAAZAAAAGQAAAAAAAAAzMzMAAAAAABQAAAAUAAAAGQAAABkAAAAAAAAABcAAAAUAAAAAAAAAAAAAAD/fwAA/38AAAAAAAAJAAAABAAAAF8AYAAeAAAAaAAAAAAAAAAAAAAAAAAAAAAAAAAAAAAAECcAABAnAAAAAAAAAAAAAAAAAAAAAAAAAAAAAAAAAAAAAAAAAAAAABQAAAAAAAAAwMD/AAAAAABkAAAAMgAAAAAAAABkAAAAAAAAAH9/fwAKAAAAIgAAABgAAAAAAAAAAAAAAAAAAAAAAAAAAAAAAAAAAAAkAAAAJAAAAAAAAAAHAAAAAAAAAAAAAAAAAAAAAAAAAAAAAAAAAAAAf39/ACUAAABYAAAAAAAAAAAAAAAAAAAAAAAAAAAAAAAAAAAAAAAAAAAAAAAAAAAAAAAAAAAAAAA/AAAAAAAAAKCGAQAAAAAAAAAAAAAAAAAMAAAAAQAAAAAAAAAAAAAAAAAAAB8AAABUAAAARHLEBf///wEAAAAAAAAAAAAAAAAAAAAAAAAAAAAAAAAAAAAAAAAAAAAAAAJ/f38A5+bmA8zMzADAwP8Af39/AAAAAAAAAAAAAAAAAAAAAAAAAAAAIQAAABgAAAAUAAAAwQMAAAEJAADhJwAALiEAABAgAAAmAAAACAAAAP//////////"/>
               </a:ext>
             </a:extLst>
           </p:cNvSpPr>
@@ -16943,8 +16668,8 @@
               </a:lnSpc>
               <a:defRPr lang="pt-br" cap="none">
                 <a:latin typeface="Arial" pitchFamily="2" charset="0"/>
-                <a:ea typeface="DejaVu Sans" pitchFamily="0" charset="0"/>
-                <a:cs typeface="DejaVu Sans" pitchFamily="0" charset="0"/>
+                <a:ea typeface="DejaVu Sans" charset="0"/>
+                <a:cs typeface="DejaVu Sans" charset="0"/>
               </a:defRPr>
             </a:pPr>
             <a:r>
@@ -16952,9 +16677,9 @@
                 <a:solidFill>
                   <a:srgbClr val="FFFFFF"/>
                 </a:solidFill>
-                <a:latin typeface="Source Serif Pro" pitchFamily="0" charset="0"/>
-                <a:ea typeface="DejaVu Sans" pitchFamily="0" charset="0"/>
-                <a:cs typeface="DejaVu Sans" pitchFamily="0" charset="0"/>
+                <a:latin typeface="Source Serif Pro" charset="0"/>
+                <a:ea typeface="DejaVu Sans" charset="0"/>
+                <a:cs typeface="DejaVu Sans" charset="0"/>
               </a:rPr>
               <a:t>A </a:t>
             </a:r>
@@ -16963,9 +16688,9 @@
                 <a:solidFill>
                   <a:srgbClr val="FFFFFF"/>
                 </a:solidFill>
-                <a:latin typeface="Source Serif Pro" pitchFamily="0" charset="0"/>
-                <a:ea typeface="DejaVu Sans" pitchFamily="0" charset="0"/>
-                <a:cs typeface="DejaVu Sans" pitchFamily="0" charset="0"/>
+                <a:latin typeface="Source Serif Pro" charset="0"/>
+                <a:ea typeface="DejaVu Sans" charset="0"/>
+                <a:cs typeface="DejaVu Sans" charset="0"/>
               </a:rPr>
               <a:t>programação orientada a objetos</a:t>
             </a:r>
@@ -16974,9 +16699,9 @@
                 <a:solidFill>
                   <a:srgbClr val="FFFFFF"/>
                 </a:solidFill>
-                <a:latin typeface="Source Serif Pro" pitchFamily="0" charset="0"/>
-                <a:ea typeface="DejaVu Sans" pitchFamily="0" charset="0"/>
-                <a:cs typeface="DejaVu Sans" pitchFamily="0" charset="0"/>
+                <a:latin typeface="Source Serif Pro" charset="0"/>
+                <a:ea typeface="DejaVu Sans" charset="0"/>
+                <a:cs typeface="DejaVu Sans" charset="0"/>
               </a:rPr>
               <a:t> é um modelo de programação, onde diversas classes possuem características que definem um objeto na vida real. 	Cada classe determina o comportamento do objeto, definido por métodos e seus estados possíveis definidos por atributos. São exemplos de linguagens de programação orientadas a objetos: </a:t>
             </a:r>
@@ -16985,9 +16710,9 @@
                 <a:solidFill>
                   <a:srgbClr val="FFFFFF"/>
                 </a:solidFill>
-                <a:latin typeface="Source Serif Pro" pitchFamily="0" charset="0"/>
-                <a:ea typeface="DejaVu Sans" pitchFamily="0" charset="0"/>
-                <a:cs typeface="DejaVu Sans" pitchFamily="0" charset="0"/>
+                <a:latin typeface="Source Serif Pro" charset="0"/>
+                <a:ea typeface="DejaVu Sans" charset="0"/>
+                <a:cs typeface="DejaVu Sans" charset="0"/>
               </a:rPr>
               <a:t>C++, Java, C#, </a:t>
             </a:r>
@@ -16999,8 +16724,8 @@
               </a:lnSpc>
               <a:defRPr lang="pt-br" cap="none">
                 <a:latin typeface="Arial" pitchFamily="2" charset="0"/>
-                <a:ea typeface="DejaVu Sans" pitchFamily="0" charset="0"/>
-                <a:cs typeface="DejaVu Sans" pitchFamily="0" charset="0"/>
+                <a:ea typeface="DejaVu Sans" charset="0"/>
+                <a:cs typeface="DejaVu Sans" charset="0"/>
               </a:defRPr>
             </a:pPr>
             <a:r>
@@ -17008,9 +16733,9 @@
                 <a:solidFill>
                   <a:srgbClr val="FFFFFF"/>
                 </a:solidFill>
-                <a:latin typeface="Source Serif Pro" pitchFamily="0" charset="0"/>
-                <a:ea typeface="DejaVu Sans" pitchFamily="0" charset="0"/>
-                <a:cs typeface="DejaVu Sans" pitchFamily="0" charset="0"/>
+                <a:latin typeface="Source Serif Pro" charset="0"/>
+                <a:ea typeface="DejaVu Sans" charset="0"/>
+                <a:cs typeface="DejaVu Sans" charset="0"/>
               </a:rPr>
               <a:t>Object Pascal, entre outras</a:t>
             </a:r>
@@ -17019,9 +16744,9 @@
                 <a:solidFill>
                   <a:srgbClr val="FFFFFF"/>
                 </a:solidFill>
-                <a:latin typeface="Source Serif Pro" pitchFamily="0" charset="0"/>
-                <a:ea typeface="DejaVu Sans" pitchFamily="0" charset="0"/>
-                <a:cs typeface="DejaVu Sans" pitchFamily="0" charset="0"/>
+                <a:latin typeface="Source Serif Pro" charset="0"/>
+                <a:ea typeface="DejaVu Sans" charset="0"/>
+                <a:cs typeface="DejaVu Sans" charset="0"/>
               </a:rPr>
               <a:t>. Este modelo foi criado com o intuito de aproximar o mundo real do mundo virtual. 	Para dar suporte à definição de Objeto, foi criada uma estrutura chamada Classe, que reúne objetos com características em comum, descreve todos os serviços disponíveis por seus objetos e quais informações podem ser armazenadas.</a:t>
             </a:r>
@@ -17034,7 +16759,7 @@
           <p:cNvPicPr>
             <a:extLst>
               <a:ext uri="smNativeData">
-                <pr:smNativeData xmlns:pr="smNativeData" xmlns="smNativeData" val="SMDATA_17_q5OGZBMAAAAlAAAAEQAAAA0AAAAAkAAAAEgAAACQAAAASAAAAAAAAAAAAAAAAAAAAAEAAABQAAAAAAAAAAAA4D8AAAAAAADgPwAAAAAAAOA/AAAAAAAA4D8AAAAAAADgPwAAAAAAAOA/AAAAAAAA4D8AAAAAAADgPwAAAAAAAOA/AAAAAAAA4D8CAAAAjAAAAAAAAAAAAAAARHLEDP///wgAAAAAAAAAAAAAAAAAAAAAAAAAAAAAAAAAAAAAZAAAAAEAAABAAAAAAAAAAAAAAAAAAAAAAAAAAAAAAAAAAAAAAAAAAAAAAAAAAAAAAAAAAAAAAAAAAAAAAAAAAAAAAAAAAAAAAAAAAAAAAAAAAAAAAAAAAAAAAAAAAAAAFAAAADwAAAAAAAAAAAAAAAAAAAkUAAAAAQAAABQAAAAUAAAAFAAAAAEAAAAAAAAAZAAAAGQAAAAAAAAAZAAAAGQAAAAVAAAAYAAAAAAAAAAAAAAADwAAACADAAAAAAAAAAAAAAEAAACgMgAAVgcAAKr4//8BAAAAf39/AAEAAABkAAAAAAAAABQAAABAHwAAAAAAACYAAAAAAAAAwOD//wAAAAAmAAAAZAAAABYAAABMAAAAAAAAAAAAAAAEAAAAAAAAAAEAAADn5uYKAAAAACgAAAAoAAAAZAAAAGQAAAAAAAAAzMzMAAAAAABQAAAAUAAAAGQAAABkAAAAAAAAAAcAAAA4AAAAAAAAAAAAAAAAAAAA////AAAAAAAAAAAAAAAAAAAAAAAAAAAAAAAAAAAAAABkAAAAZAAAAAAAAAAjAAAABAAAAGQAAAAXAAAAFAAAAAAAAAAAAAAA/38AAP9/AAAAAAAACQAAAAQAAAB5PwAAHgAAAGgAAAAAAAAAAAAAAAAAAAAAAAAAAAAAABAnAAAQJwAAAAAAAAAAAAAAAAAAAAAAAAAAAAAAAAAAAAAAAAAAAAAUAAAAAAAAAMDA/wAAAAAAZAAAADIAAAAAAAAAZAAAAAAAAAB/f38ACgAAACIAAAAYAAAAAAAAAAAAAAAAAAAAAAAAAAAAAAAAAAAAJAAAACQAAAAAAAAABwAAAAAAAAAAAAAAAAAAAAAAAAAAAAAAAAAAAH9/fwAlAAAAWAAAAAAAAAAAAAAAAAAAAAAAAAAAAAAAAAAAAAAAAAAAAAAAAAAAAAAAAAAAAAAAPwAAAAAAAACghgEAAAAAAAAAAAAAAAAADAAAAAEAAAAAAAAAAAAAAAAAAAAfAAAAVAAAAERyxAX///8BAAAAAAAAAAAAAAAAAAAAAAAAAAAAAAAAAAAAAAAAAAAAAAACf39/AOfm5gPMzMwAwMD/AH9/fwAAAAAAAAAAAAAAAAD///8AAAAAACEAAAAYAAAAFAAAAHEsAACzCwAAb0YAAHweAAAQAAAAJgAAAAgAAAD//////////w=="/>
+                <pr:smNativeData xmlns="smNativeData" xmlns:pr="smNativeData" xmlns:p15="http://schemas.microsoft.com/office/powerpoint/2012/main" xmlns:p14="http://schemas.microsoft.com/office/powerpoint/2010/main" xmlns:mc="http://schemas.openxmlformats.org/markup-compatibility/2006" val="SMDATA_17_q5OGZBMAAAAlAAAAEQAAAA0AAAAAkAAAAEgAAACQAAAASAAAAAAAAAAAAAAAAAAAAAEAAABQAAAAAAAAAAAA4D8AAAAAAADgPwAAAAAAAOA/AAAAAAAA4D8AAAAAAADgPwAAAAAAAOA/AAAAAAAA4D8AAAAAAADgPwAAAAAAAOA/AAAAAAAA4D8CAAAAjAAAAAAAAAAAAAAARHLEDP///wgAAAAAAAAAAAAAAAAAAAAAAAAAAAAAAAAAAAAAZAAAAAEAAABAAAAAAAAAAAAAAAAAAAAAAAAAAAAAAAAAAAAAAAAAAAAAAAAAAAAAAAAAAAAAAAAAAAAAAAAAAAAAAAAAAAAAAAAAAAAAAAAAAAAAAAAAAAAAAAAAAAAAFAAAADwAAAAAAAAAAAAAAAAAAAkUAAAAAQAAABQAAAAUAAAAFAAAAAEAAAAAAAAAZAAAAGQAAAAAAAAAZAAAAGQAAAAVAAAAYAAAAAAAAAAAAAAADwAAACADAAAAAAAAAAAAAAEAAACgMgAAVgcAAKr4//8BAAAAf39/AAEAAABkAAAAAAAAABQAAABAHwAAAAAAACYAAAAAAAAAwOD//wAAAAAmAAAAZAAAABYAAABMAAAAAAAAAAAAAAAEAAAAAAAAAAEAAADn5uYKAAAAACgAAAAoAAAAZAAAAGQAAAAAAAAAzMzMAAAAAABQAAAAUAAAAGQAAABkAAAAAAAAAAcAAAA4AAAAAAAAAAAAAAAAAAAA////AAAAAAAAAAAAAAAAAAAAAAAAAAAAAAAAAAAAAABkAAAAZAAAAAAAAAAjAAAABAAAAGQAAAAXAAAAFAAAAAAAAAAAAAAA/38AAP9/AAAAAAAACQAAAAQAAAB5PwAAHgAAAGgAAAAAAAAAAAAAAAAAAAAAAAAAAAAAABAnAAAQJwAAAAAAAAAAAAAAAAAAAAAAAAAAAAAAAAAAAAAAAAAAAAAUAAAAAAAAAMDA/wAAAAAAZAAAADIAAAAAAAAAZAAAAAAAAAB/f38ACgAAACIAAAAYAAAAAAAAAAAAAAAAAAAAAAAAAAAAAAAAAAAAJAAAACQAAAAAAAAABwAAAAAAAAAAAAAAAAAAAAAAAAAAAAAAAAAAAH9/fwAlAAAAWAAAAAAAAAAAAAAAAAAAAAAAAAAAAAAAAAAAAAAAAAAAAAAAAAAAAAAAAAAAAAAAPwAAAAAAAACghgEAAAAAAAAAAAAAAAAADAAAAAEAAAAAAAAAAAAAAAAAAAAfAAAAVAAAAERyxAX///8BAAAAAAAAAAAAAAAAAAAAAAAAAAAAAAAAAAAAAAAAAAAAAAACf39/AOfm5gPMzMwAwMD/AH9/fwAAAAAAAAAAAAAAAAD///8AAAAAACEAAAAYAAAAFAAAAHEsAACzCwAAb0YAAHweAAAQAAAAJgAAAAgAAAD//////////w=="/>
               </a:ext>
             </a:extLst>
           </p:cNvPicPr>
@@ -17066,18 +16791,11 @@
   <p:clrMapOvr>
     <a:masterClrMapping/>
   </p:clrMapOvr>
-  <p:timing>
-    <p:tnLst>
-      <p:par>
-        <p:cTn id="1" dur="indefinite" restart="never" nodeType="tmRoot"/>
-      </p:par>
-    </p:tnLst>
-  </p:timing>
 </p:sld>
 </file>
 
 <file path=ppt/slides/slide6.xml><?xml version="1.0" encoding="utf-8"?>
-<p:sld xmlns:p="http://schemas.openxmlformats.org/presentationml/2006/main" xmlns:mc="http://schemas.openxmlformats.org/markup-compatibility/2006" xmlns:p14="http://schemas.microsoft.com/office/powerpoint/2010/main" xmlns:p15="http://schemas.microsoft.com/office/powerpoint/2012/main" xmlns:r="http://schemas.openxmlformats.org/officeDocument/2006/relationships" xmlns:a="http://schemas.openxmlformats.org/drawingml/2006/main" mc:Ignorable="p14">
+<p:sld xmlns:a="http://schemas.openxmlformats.org/drawingml/2006/main" xmlns:r="http://schemas.openxmlformats.org/officeDocument/2006/relationships" xmlns:p="http://schemas.openxmlformats.org/presentationml/2006/main">
   <p:cSld>
     <p:bg>
       <p:bgPr>
@@ -17107,7 +16825,7 @@
           <p:cNvSpPr>
             <a:extLst>
               <a:ext uri="smNativeData">
-                <pr:smNativeData xmlns:pr="smNativeData" xmlns="smNativeData" val="SMDATA_15_q5OGZBMAAAAlAAAAqgAAAA0AAAAAkAAAAEgAAACQAAAASAAAAAAAAAAAAAAAAAAAAAEAAABQAAAAsBOa32bl1T8AAAAAAADgPwAAAAAAAOA/AAAAAAAA4D8AAAAAAADgPwAAAAAAAOA/AAAAAAAA4D8AAAAAAADgPwAAAAAAAOA/AAAAAAAA4D8CAAAAjAAAAAEAAAAAAAAANEBQAP///wgAAAAAAAAAAAAAAAAAAAAAAAAAAAAAAAAAAAAAZAAAAAEAAABAAAAAAAAAAAAAAAAAAAAAAAAAAAAAAAAAAAAAAAAAAAAAAAAAAAAAAAAAAAAAAAAAAAAAAAAAAAAAAAAAAAAAAAAAAAAAAAAAAAAAAAAAAAAAAAAAAAAAFAAAADwAAAABAAAAAAAAAP///wgoAAAAAQAAABQAAAAUAAAAFAAAAAEAAAAAAAAAZAAAAGQAAAAAAAAAZAAAAGQAAAAVAAAAYAAAAAAAAAAAAAAADwAAACADAAAAAAAAAAAAAAEAAACgMgAAVgcAAKr4//8BAAAAf39/AAEAAABkAAAAAAAAABQAAABAHwAAAAAAACYAAAAAAAAAwOD//wAAAAAmAAAAZAAAABYAAABMAAAAAAAAAAAAAAAEAAAAAAAAAAEAAADn5uYKAAAAACgAAAAoAAAAZAAAAGQAAAAAAAAAzMzMAAAAAABQAAAAUAAAAGQAAABkAAAAAAAAABcAAAAUAAAAAAAAAAAAAAD/fwAA/38AAAAAAAAJAAAABAAAAAAAAAAeAAAAaAAAAAAAAAAAAAAAAAAAAAAAAAAAAAAAECcAABAnAAAAAAAAAAAAAAAAAAAAAAAAAAAAAAAAAAAAAAAAAAAAABQAAAAAAAAAwMD/AAAAAABkAAAAMgAAAAAAAABkAAAAAAAAAH9/fwAKAAAAIgAAABgAAAAAAAAAAAAAAAAAAAAAAAAAAAAAAAAAAAAkAAAAJAAAAAAAAAAHAAAAAAAAAAAAAAAAAAAAAAAAAAAAAAAAAAAAf39/ACUAAABYAAAAAAAAAAAAAAAAAAAAAAAAAAAAAAAAAAAAAAAAAAAAAAAAAAAAAAAAAAAAAAA/AAAAAAAAAKCGAQAAAAAAAAAAAAAAAAAMAAAAAQAAAAAAAAAAAAAAAAAAAB8AAABUAAAANEBQAP///wEAAAAAAAAAAAAAAAAAAAAAAAAAAAAAAAAAAAAAAAAAAP///wF/f38A5+bmA8zMzADAwP8Af39/AAAAAAAAAAAAAAAAAAAAAAAAAAAAIQAAABgAAAAUAAAABQAAAAAAAAAESwAALyoAABAAAAAmAAAACAAAAP//////////"/>
+                <pr:smNativeData xmlns="smNativeData" xmlns:pr="smNativeData" xmlns:p15="http://schemas.microsoft.com/office/powerpoint/2012/main" xmlns:p14="http://schemas.microsoft.com/office/powerpoint/2010/main" xmlns:mc="http://schemas.openxmlformats.org/markup-compatibility/2006" val="SMDATA_15_q5OGZBMAAAAlAAAAqgAAAA0AAAAAkAAAAEgAAACQAAAASAAAAAAAAAAAAAAAAAAAAAEAAABQAAAAsBOa32bl1T8AAAAAAADgPwAAAAAAAOA/AAAAAAAA4D8AAAAAAADgPwAAAAAAAOA/AAAAAAAA4D8AAAAAAADgPwAAAAAAAOA/AAAAAAAA4D8CAAAAjAAAAAEAAAAAAAAANEBQAP///wgAAAAAAAAAAAAAAAAAAAAAAAAAAAAAAAAAAAAAZAAAAAEAAABAAAAAAAAAAAAAAAAAAAAAAAAAAAAAAAAAAAAAAAAAAAAAAAAAAAAAAAAAAAAAAAAAAAAAAAAAAAAAAAAAAAAAAAAAAAAAAAAAAAAAAAAAAAAAAAAAAAAAFAAAADwAAAABAAAAAAAAAP///wgoAAAAAQAAABQAAAAUAAAAFAAAAAEAAAAAAAAAZAAAAGQAAAAAAAAAZAAAAGQAAAAVAAAAYAAAAAAAAAAAAAAADwAAACADAAAAAAAAAAAAAAEAAACgMgAAVgcAAKr4//8BAAAAf39/AAEAAABkAAAAAAAAABQAAABAHwAAAAAAACYAAAAAAAAAwOD//wAAAAAmAAAAZAAAABYAAABMAAAAAAAAAAAAAAAEAAAAAAAAAAEAAADn5uYKAAAAACgAAAAoAAAAZAAAAGQAAAAAAAAAzMzMAAAAAABQAAAAUAAAAGQAAABkAAAAAAAAABcAAAAUAAAAAAAAAAAAAAD/fwAA/38AAAAAAAAJAAAABAAAAAAAAAAeAAAAaAAAAAAAAAAAAAAAAAAAAAAAAAAAAAAAECcAABAnAAAAAAAAAAAAAAAAAAAAAAAAAAAAAAAAAAAAAAAAAAAAABQAAAAAAAAAwMD/AAAAAABkAAAAMgAAAAAAAABkAAAAAAAAAH9/fwAKAAAAIgAAABgAAAAAAAAAAAAAAAAAAAAAAAAAAAAAAAAAAAAkAAAAJAAAAAAAAAAHAAAAAAAAAAAAAAAAAAAAAAAAAAAAAAAAAAAAf39/ACUAAABYAAAAAAAAAAAAAAAAAAAAAAAAAAAAAAAAAAAAAAAAAAAAAAAAAAAAAAAAAAAAAAA/AAAAAAAAAKCGAQAAAAAAAAAAAAAAAAAMAAAAAQAAAAAAAAAAAAAAAAAAAB8AAABUAAAANEBQAP///wEAAAAAAAAAAAAAAAAAAAAAAAAAAAAAAAAAAAAAAAAAAP///wF/f38A5+bmA8zMzADAwP8Af39/AAAAAAAAAAAAAAAAAAAAAAAAAAAAIQAAABgAAAAUAAAABQAAAAAAAAAESwAALyoAABAAAAAmAAAACAAAAP//////////"/>
               </a:ext>
             </a:extLst>
           </p:cNvSpPr>
@@ -17143,7 +16861,7 @@
           <p:cNvSpPr>
             <a:extLst>
               <a:ext uri="smNativeData">
-                <pr:smNativeData xmlns:pr="smNativeData" xmlns="smNativeData" val="SMDATA_15_q5OGZBMAAAAlAAAACgAAAA0AAAAAkAAAAEgAAACQAAAASAAAAAAAAAAAAAAAAAAAAAEAAABQAAAAAAAAAAAA4D8AAAAAAADgPwAAAAAAAOA/AAAAAAAA4D8AAAAAAADgPwAAAAAAAOA/AAAAAAAA4D8AAAAAAADgPwAAAAAAAOA/AAAAAAAA4D8CAAAAjAAAAAAAAAAAAAAA////AP///wgAAAAAAAAAAAAAAAAAAAAAAAAAAAAAAAAAAAAAeAAAAAEAAABAAAAAAAAAAAAAAABaAAAAAAAAAAAAAAAAAAAAAAAAAAAAAAAAAAAAAAAAAAAAAAAAAAAAAAAAAAAAAAAAAAAAAAAAAAAAAAAAAAAAAAAAAAAAAAAAAAAAFAAAADwAAAABAAAAAAAAACA3ZAAPAAAAAQAAABQAAAAUAAAAFAAAAAEAAAAAAAAAZAAAAGQAAAAAAAAAZAAAAGQAAAAVAAAAYAAAAAAAAAAAAAAADwAAACADAAAAAAAAAAAAAAEAAACgMgAAVgcAAKr4//8BAAAAf39/AAEAAABkAAAAAAAAABQAAABAHwAAAAAAACYAAAAAAAAAwOD//wAAAAAmAAAAZAAAABYAAABMAAAAAAAAAAAAAAAEAAAAAAAAAAEAAADn5uYKAAAAACgAAAAoAAAAZAAAAGQAAAAAAAAAzMzMAAAAAABQAAAAUAAAAGQAAABkAAAAAAAAABcAAAAUAAAAAAAAAAAAAAD/fwAA/38AAAAAAAAJAAAABAAAAAAAAAAeAAAAaAAAAAAAAAAAAAAAAAAAAAAAAAAAAAAAECcAABAnAAAAAAAAAAAAAAAAAAAAAAAAAAAAAAAAAAAAAAAAAAAAABQAAAAAAAAAwMD/AAAAAABkAAAAMgAAAAAAAABkAAAAAAAAAH9/fwAKAAAAIgAAABgAAAAAAAAAAAAAAAAAAAAAAAAAAAAAAAAAAAAkAAAAJAAAAAAAAAAHAAAAAAAAAAAAAAAAAAAAAAAAAAAAAAAAAAAAf39/ACUAAABYAAAAAAAAAAAAAAAAAAAAAAAAAAAAAAAAAAAAAAAAAAAAAAAAAAAAAAAAAAAAAAA/AAAAAAAAAKCGAQAAAAAAAAAAAAAAAAAMAAAAAQAAAAAAAAAAAAAAAAAAAB8AAABUAAAA////AP///wEAAAAAAAAAAAAAAAAAAAAAAAAAAAAAAAAAAAAAAAAAACA3ZAB/f38A5+bmA8zMzADAwP8Af39/AAAAAAAAAAAAAAAAAAAAAAAAAAAAIQAAABgAAAAUAAAAezUAACgWAACpNwAAKBYAABAAAAAmAAAACAAAAP//////////"/>
+                <pr:smNativeData xmlns="smNativeData" xmlns:pr="smNativeData" xmlns:p15="http://schemas.microsoft.com/office/powerpoint/2012/main" xmlns:p14="http://schemas.microsoft.com/office/powerpoint/2010/main" xmlns:mc="http://schemas.openxmlformats.org/markup-compatibility/2006" val="SMDATA_15_q5OGZBMAAAAlAAAACgAAAA0AAAAAkAAAAEgAAACQAAAASAAAAAAAAAAAAAAAAAAAAAEAAABQAAAAAAAAAAAA4D8AAAAAAADgPwAAAAAAAOA/AAAAAAAA4D8AAAAAAADgPwAAAAAAAOA/AAAAAAAA4D8AAAAAAADgPwAAAAAAAOA/AAAAAAAA4D8CAAAAjAAAAAAAAAAAAAAA////AP///wgAAAAAAAAAAAAAAAAAAAAAAAAAAAAAAAAAAAAAeAAAAAEAAABAAAAAAAAAAAAAAABaAAAAAAAAAAAAAAAAAAAAAAAAAAAAAAAAAAAAAAAAAAAAAAAAAAAAAAAAAAAAAAAAAAAAAAAAAAAAAAAAAAAAAAAAAAAAAAAAAAAAFAAAADwAAAABAAAAAAAAACA3ZAAPAAAAAQAAABQAAAAUAAAAFAAAAAEAAAAAAAAAZAAAAGQAAAAAAAAAZAAAAGQAAAAVAAAAYAAAAAAAAAAAAAAADwAAACADAAAAAAAAAAAAAAEAAACgMgAAVgcAAKr4//8BAAAAf39/AAEAAABkAAAAAAAAABQAAABAHwAAAAAAACYAAAAAAAAAwOD//wAAAAAmAAAAZAAAABYAAABMAAAAAAAAAAAAAAAEAAAAAAAAAAEAAADn5uYKAAAAACgAAAAoAAAAZAAAAGQAAAAAAAAAzMzMAAAAAABQAAAAUAAAAGQAAABkAAAAAAAAABcAAAAUAAAAAAAAAAAAAAD/fwAA/38AAAAAAAAJAAAABAAAAAAAAAAeAAAAaAAAAAAAAAAAAAAAAAAAAAAAAAAAAAAAECcAABAnAAAAAAAAAAAAAAAAAAAAAAAAAAAAAAAAAAAAAAAAAAAAABQAAAAAAAAAwMD/AAAAAABkAAAAMgAAAAAAAABkAAAAAAAAAH9/fwAKAAAAIgAAABgAAAAAAAAAAAAAAAAAAAAAAAAAAAAAAAAAAAAkAAAAJAAAAAAAAAAHAAAAAAAAAAAAAAAAAAAAAAAAAAAAAAAAAAAAf39/ACUAAABYAAAAAAAAAAAAAAAAAAAAAAAAAAAAAAAAAAAAAAAAAAAAAAAAAAAAAAAAAAAAAAA/AAAAAAAAAKCGAQAAAAAAAAAAAAAAAAAMAAAAAQAAAAAAAAAAAAAAAAAAAB8AAABUAAAA////AP///wEAAAAAAAAAAAAAAAAAAAAAAAAAAAAAAAAAAAAAAAAAACA3ZAB/f38A5+bmA8zMzADAwP8Af39/AAAAAAAAAAAAAAAAAAAAAAAAAAAAIQAAABgAAAAUAAAAezUAACgWAACpNwAAKBYAABAAAAAmAAAACAAAAP//////////"/>
               </a:ext>
             </a:extLst>
           </p:cNvSpPr>
@@ -17175,7 +16893,7 @@
           <p:cNvSpPr>
             <a:extLst>
               <a:ext uri="smNativeData">
-                <pr:smNativeData xmlns:pr="smNativeData" xmlns="smNativeData" val="SMDATA_15_q5OGZBMAAAAlAAAACgAAAA0AAAAAkAAAAEgAAACQAAAASAAAAAAAAAAAAAAAAgAAAAEAAABQAAAAAAAAAAAA4D8AAAAAAADgPwAAAAAAAOA/AAAAAAAA4D8AAAAAAADgPwAAAAAAAOA/AAAAAAAA4D8AAAAAAADgPwAAAAAAAOA/AAAAAAAA4D8CAAAAjAAAAAAAAAAAAAAA////AP///wgAAAAAAAAAAAAAAAAAAAAAAAAAAAAAAAAAAAAAeAAAAAEAAABAAAAAAAAAAAAAAABaAAAAAAAAAAAAAAAAAAAAAAAAAAAAAAAAAAAAAAAAAAAAAAAAAAAAAAAAAAAAAAAAAAAAAAAAAAAAAAAAAAAAAAAAAAAAAAAAAAAAFAAAADwAAAABAAAAAAAAACA3ZAAPAAAAAQAAABQAAAAUAAAAFAAAAAEAAAAAAAAAZAAAAGQAAAAAAAAAZAAAAGQAAAAVAAAAYAAAAAAAAAAAAAAADwAAACADAAAAAAAAAAAAAAEAAACgMgAAVgcAAKr4//8BAAAAf39/AAEAAABkAAAAAAAAABQAAABAHwAAAAAAACYAAAAAAAAAwOD//wAAAAAmAAAAZAAAABYAAABMAAAAAAAAAAAAAAAEAAAAAAAAAAEAAADn5uYKAAAAACgAAAAoAAAAZAAAAGQAAAAAAAAAzMzMAAAAAABQAAAAUAAAAGQAAABkAAAAAAAAABcAAAAUAAAAAAAAAAAAAAD/fwAA/38AAAAAAAAJAAAABAAAANBKOQIeAAAAaAAAAAAAAAAAAAAAAAAAAAAAAAAAAAAAECcAABAnAAAAAAAAAAAAAAAAAAAAAAAAAAAAAAAAAAAAAAAAAAAAABQAAAAAAAAAwMD/AAAAAABkAAAAMgAAAAAAAABkAAAAAAAAAH9/fwAKAAAAIgAAABgAAAAAAAAAAAAAAAAAAAAAAAAAAAAAAAAAAAAkAAAAJAAAAAAAAAAHAAAAAAAAAAAAAAAAAAAAAAAAAAAAAAAAAAAAf39/ACUAAABYAAAAAAAAAAAAAAAAAAAAAAAAAAAAAAAAAAAAAAAAAAAAAAAAAAAAAAAAAAAAAAA/AAAAAAAAAKCGAQAAAAAAAAAAAAAAAAAMAAAAAQAAAAAAAAAAAAAAAAAAAB8AAABUAAAA////AP///wEAAAAAAAAAAAAAAAAAAAAAAAAAAAAAAAAAAAAAAAAAACA3ZAB/f38A5+bmA8zMzADAwP8Af39/AAAAAAAAAAAAAAAAAAAAAAAAAAAAIQAAABgAAAAUAAAAQEUAAK8UAAAfRgAAexUAABAAAAAmAAAACAAAAP//////////"/>
+                <pr:smNativeData xmlns="smNativeData" xmlns:pr="smNativeData" xmlns:p15="http://schemas.microsoft.com/office/powerpoint/2012/main" xmlns:p14="http://schemas.microsoft.com/office/powerpoint/2010/main" xmlns:mc="http://schemas.openxmlformats.org/markup-compatibility/2006" val="SMDATA_15_q5OGZBMAAAAlAAAACgAAAA0AAAAAkAAAAEgAAACQAAAASAAAAAAAAAAAAAAAAgAAAAEAAABQAAAAAAAAAAAA4D8AAAAAAADgPwAAAAAAAOA/AAAAAAAA4D8AAAAAAADgPwAAAAAAAOA/AAAAAAAA4D8AAAAAAADgPwAAAAAAAOA/AAAAAAAA4D8CAAAAjAAAAAAAAAAAAAAA////AP///wgAAAAAAAAAAAAAAAAAAAAAAAAAAAAAAAAAAAAAeAAAAAEAAABAAAAAAAAAAAAAAABaAAAAAAAAAAAAAAAAAAAAAAAAAAAAAAAAAAAAAAAAAAAAAAAAAAAAAAAAAAAAAAAAAAAAAAAAAAAAAAAAAAAAAAAAAAAAAAAAAAAAFAAAADwAAAABAAAAAAAAACA3ZAAPAAAAAQAAABQAAAAUAAAAFAAAAAEAAAAAAAAAZAAAAGQAAAAAAAAAZAAAAGQAAAAVAAAAYAAAAAAAAAAAAAAADwAAACADAAAAAAAAAAAAAAEAAACgMgAAVgcAAKr4//8BAAAAf39/AAEAAABkAAAAAAAAABQAAABAHwAAAAAAACYAAAAAAAAAwOD//wAAAAAmAAAAZAAAABYAAABMAAAAAAAAAAAAAAAEAAAAAAAAAAEAAADn5uYKAAAAACgAAAAoAAAAZAAAAGQAAAAAAAAAzMzMAAAAAABQAAAAUAAAAGQAAABkAAAAAAAAABcAAAAUAAAAAAAAAAAAAAD/fwAA/38AAAAAAAAJAAAABAAAANBKOQIeAAAAaAAAAAAAAAAAAAAAAAAAAAAAAAAAAAAAECcAABAnAAAAAAAAAAAAAAAAAAAAAAAAAAAAAAAAAAAAAAAAAAAAABQAAAAAAAAAwMD/AAAAAABkAAAAMgAAAAAAAABkAAAAAAAAAH9/fwAKAAAAIgAAABgAAAAAAAAAAAAAAAAAAAAAAAAAAAAAAAAAAAAkAAAAJAAAAAAAAAAHAAAAAAAAAAAAAAAAAAAAAAAAAAAAAAAAAAAAf39/ACUAAABYAAAAAAAAAAAAAAAAAAAAAAAAAAAAAAAAAAAAAAAAAAAAAAAAAAAAAAAAAAAAAAA/AAAAAAAAAKCGAQAAAAAAAAAAAAAAAAAMAAAAAQAAAAAAAAAAAAAAAAAAAB8AAABUAAAA////AP///wEAAAAAAAAAAAAAAAAAAAAAAAAAAAAAAAAAAAAAAAAAACA3ZAB/f38A5+bmA8zMzADAwP8Af39/AAAAAAAAAAAAAAAAAAAAAAAAAAAAIQAAABgAAAAUAAAAQEUAAK8UAAAfRgAAexUAABAAAAAmAAAACAAAAP//////////"/>
               </a:ext>
             </a:extLst>
           </p:cNvSpPr>
@@ -17207,7 +16925,7 @@
           <p:cNvSpPr>
             <a:extLst>
               <a:ext uri="smNativeData">
-                <pr:smNativeData xmlns:pr="smNativeData" xmlns="smNativeData" val="SMDATA_15_q5OGZBMAAAAlAAAACgAAAA0AAAAAkAAAAEgAAACQAAAASAAAAAAAAAAAAAAAAAAAAAEAAABQAAAAAAAAAAAA4D8AAAAAAADgPwAAAAAAAOA/AAAAAAAA4D8AAAAAAADgPwAAAAAAAOA/AAAAAAAA4D8AAAAAAADgPwAAAAAAAOA/AAAAAAAA4D8CAAAAjAAAAAAAAAAAAAAA////AP///wgAAAAAAAAAAAAAAAAAAAAAAAAAAAAAAAAAAAAAeAAAAAEAAABAAAAAAAAAAAAAAABaAAAAAAAAAAAAAAAAAAAAAAAAAAAAAAAAAAAAAAAAAAAAAAAAAAAAAAAAAAAAAAAAAAAAAAAAAAAAAAAAAAAAAAAAAAAAAAAAAAAAFAAAADwAAAABAAAAAAAAACA3ZAAPAAAAAQAAABQAAAAUAAAAFAAAAAEAAAAAAAAAZAAAAGQAAAAAAAAAZAAAAGQAAAAVAAAAYAAAAAAAAAAAAAAADwAAACADAAAAAAAAAAAAAAEAAACgMgAAVgcAAKr4//8BAAAAf39/AAEAAABkAAAAAAAAABQAAABAHwAAAAAAACYAAAAAAAAAwOD//wAAAAAmAAAAZAAAABYAAABMAAAAAAAAAAAAAAAEAAAAAAAAAAEAAADn5uYKAAAAACgAAAAoAAAAZAAAAGQAAAAAAAAAzMzMAAAAAABQAAAAUAAAAGQAAABkAAAAAAAAABcAAAAUAAAAAAAAAAAAAAD/fwAA/38AAAAAAAAJAAAABAAAAPn///8eAAAAaAAAAAAAAAAAAAAAAAAAAAAAAAAAAAAAECcAABAnAAAAAAAAAAAAAAAAAAAAAAAAAAAAAAAAAAAAAAAAAAAAABQAAAAAAAAAwMD/AAAAAABkAAAAMgAAAAAAAABkAAAAAAAAAH9/fwAKAAAAIgAAABgAAAAAAAAAAAAAAAAAAAAAAAAAAAAAAAAAAAAkAAAAJAAAAAAAAAAHAAAAAAAAAAAAAAAAAAAAAAAAAAAAAAAAAAAAf39/ACUAAABYAAAAAAAAAAAAAAAAAAAAAAAAAAAAAAAAAAAAAAAAAAAAAAAAAAAAAAAAAAAAAAA/AAAAAAAAAKCGAQAAAAAAAAAAAAAAAAAMAAAAAQAAAAAAAAAAAAAAAAAAAB8AAABUAAAA////AP///wEAAAAAAAAAAAAAAAAAAAAAAAAAAAAAAAAAAAAAAAAAACA3ZAB/f38A5+bmA8zMzADAwP8Af39/AAAAAAAAAAAAAAAAAAAAAAAAAAAAIQAAABgAAAAUAAAAQEUAAMQUAAAfRgAAexUAABAAAAAmAAAACAAAAP//////////"/>
+                <pr:smNativeData xmlns="smNativeData" xmlns:pr="smNativeData" xmlns:p15="http://schemas.microsoft.com/office/powerpoint/2012/main" xmlns:p14="http://schemas.microsoft.com/office/powerpoint/2010/main" xmlns:mc="http://schemas.openxmlformats.org/markup-compatibility/2006" val="SMDATA_15_q5OGZBMAAAAlAAAACgAAAA0AAAAAkAAAAEgAAACQAAAASAAAAAAAAAAAAAAAAAAAAAEAAABQAAAAAAAAAAAA4D8AAAAAAADgPwAAAAAAAOA/AAAAAAAA4D8AAAAAAADgPwAAAAAAAOA/AAAAAAAA4D8AAAAAAADgPwAAAAAAAOA/AAAAAAAA4D8CAAAAjAAAAAAAAAAAAAAA////AP///wgAAAAAAAAAAAAAAAAAAAAAAAAAAAAAAAAAAAAAeAAAAAEAAABAAAAAAAAAAAAAAABaAAAAAAAAAAAAAAAAAAAAAAAAAAAAAAAAAAAAAAAAAAAAAAAAAAAAAAAAAAAAAAAAAAAAAAAAAAAAAAAAAAAAAAAAAAAAAAAAAAAAFAAAADwAAAABAAAAAAAAACA3ZAAPAAAAAQAAABQAAAAUAAAAFAAAAAEAAAAAAAAAZAAAAGQAAAAAAAAAZAAAAGQAAAAVAAAAYAAAAAAAAAAAAAAADwAAACADAAAAAAAAAAAAAAEAAACgMgAAVgcAAKr4//8BAAAAf39/AAEAAABkAAAAAAAAABQAAABAHwAAAAAAACYAAAAAAAAAwOD//wAAAAAmAAAAZAAAABYAAABMAAAAAAAAAAAAAAAEAAAAAAAAAAEAAADn5uYKAAAAACgAAAAoAAAAZAAAAGQAAAAAAAAAzMzMAAAAAABQAAAAUAAAAGQAAABkAAAAAAAAABcAAAAUAAAAAAAAAAAAAAD/fwAA/38AAAAAAAAJAAAABAAAAPn///8eAAAAaAAAAAAAAAAAAAAAAAAAAAAAAAAAAAAAECcAABAnAAAAAAAAAAAAAAAAAAAAAAAAAAAAAAAAAAAAAAAAAAAAABQAAAAAAAAAwMD/AAAAAABkAAAAMgAAAAAAAABkAAAAAAAAAH9/fwAKAAAAIgAAABgAAAAAAAAAAAAAAAAAAAAAAAAAAAAAAAAAAAAkAAAAJAAAAAAAAAAHAAAAAAAAAAAAAAAAAAAAAAAAAAAAAAAAAAAAf39/ACUAAABYAAAAAAAAAAAAAAAAAAAAAAAAAAAAAAAAAAAAAAAAAAAAAAAAAAAAAAAAAAAAAAA/AAAAAAAAAKCGAQAAAAAAAAAAAAAAAAAMAAAAAQAAAAAAAAAAAAAAAAAAAB8AAABUAAAA////AP///wEAAAAAAAAAAAAAAAAAAAAAAAAAAAAAAAAAAAAAAAAAACA3ZAB/f38A5+bmA8zMzADAwP8Af39/AAAAAAAAAAAAAAAAAAAAAAAAAAAAIQAAABgAAAAUAAAAQEUAAMQUAAAfRgAAexUAABAAAAAmAAAACAAAAP//////////"/>
               </a:ext>
             </a:extLst>
           </p:cNvSpPr>
@@ -17239,7 +16957,7 @@
           <p:cNvSpPr>
             <a:extLst>
               <a:ext uri="smNativeData">
-                <pr:smNativeData xmlns:pr="smNativeData" xmlns="smNativeData" val="SMDATA_15_q5OGZBMAAAAlAAAAZAAAAA0AAAAAjgAAAEcAAACOAAAARwAAAAAAAAABAAAAAAAAAAEAAABQAAAAAAAAAAAA4D8AAAAAAADgPwAAAAAAAOA/AAAAAAAA4D8AAAAAAADgPwAAAAAAAOA/AAAAAAAA4D8AAAAAAADgPwAAAAAAAOA/AAAAAAAA4D8CAAAAjAAAAAEAAAAAAAAAIis1AP///wgAAAAAAAAAAAAAAAAAAAAAAAAAAAAAAAAAAAAAZAAAAAEAAABAAAAAAAAAAAAAAAAAAAAAAAAAAAAAAAAAAAAAAAAAAAAAAAAAAAAAAAAAAAAAAAAAAAAAAAAAAAAAAAAAAAAAAAAAAAAAAAAAAAAAAAAAAAAAAAAAAAAAFAAAADwAAAABAAAAAAAAAOfm5gooAAAAAQAAABQAAAAUAAAAFAAAAAEAAAAAAAAAZAAAAGQAAAAAAAAAZAAAAGQAAAAVAAAAYAAAAAAAAAAAAAAADwAAACADAAAAAAAAAAAAAAEAAACgMgAAVgcAAKr4//8BAAAAf39/AAEAAABkAAAAAAAAABQAAABAHwAAAAAAACYAAAAAAAAAwOD//wAAAAAmAAAAZAAAABYAAABMAAAAAAAAAAAAAAAEAAAAAAAAAAEAAADn5uYKAAAAACgAAAAoAAAAZAAAAGQAAAAAAAAAzMzMAAAAAABQAAAAUAAAAGQAAABkAAAAAAAAABcAAAAUAAAAAAAAAAAAAAD/fwAA/38AAAAAAAAJAAAABAAAAAAAAAAeAAAAaAAAAAAAAAAAAAAAAAAAAAAAAAAAAAAAECcAABAnAAAAAAAAAAAAAAAAAAAAAAAAAAAAAAAAAAAAAAAAAAAAABQAAAAAAAAAwMD/AAAAAABkAAAAMgAAAAAAAABkAAAAAAAAAH9/fwAKAAAAIgAAABgAAAAAAAAAAAAAAAAAAAAAAAAAAAAAAAAAAAAkAAAAJAAAAAAAAAAHAAAAAAAAAAAAAAAAAAAAAAAAAAAAAAAAAAAAf39/ACUAAABYAAAAAAAAAAAAAAAAAAAAAAAAAAAAAAAAAAAAAAAAAAAAAAAAAAAAAAAAAAAAAAA/AAAAAAAAAKCGAQAAAAAAAAAAAAAAAAAMAAAAAQAAAAAAAAAAAAAAAAAAAB8AAABUAAAAIis1AP///wEAAAAAAAAAAAAAAAAAAAAAAAAAAAAAAAAAAAAAAAAAAOfm5gN/f38A5+bmA8zMzADAwP8Af39/AAAAAAAAAAAAAAAAAAAAAAAAAAAAIQAAABgAAAAUAAAAXRQAAJoCAADZNgAAlAYAABAAAAAmAAAACAAAAP//////////"/>
+                <pr:smNativeData xmlns="smNativeData" xmlns:pr="smNativeData" xmlns:p15="http://schemas.microsoft.com/office/powerpoint/2012/main" xmlns:p14="http://schemas.microsoft.com/office/powerpoint/2010/main" xmlns:mc="http://schemas.openxmlformats.org/markup-compatibility/2006" val="SMDATA_15_q5OGZBMAAAAlAAAAZAAAAA0AAAAAjgAAAEcAAACOAAAARwAAAAAAAAABAAAAAAAAAAEAAABQAAAAAAAAAAAA4D8AAAAAAADgPwAAAAAAAOA/AAAAAAAA4D8AAAAAAADgPwAAAAAAAOA/AAAAAAAA4D8AAAAAAADgPwAAAAAAAOA/AAAAAAAA4D8CAAAAjAAAAAEAAAAAAAAAIis1AP///wgAAAAAAAAAAAAAAAAAAAAAAAAAAAAAAAAAAAAAZAAAAAEAAABAAAAAAAAAAAAAAAAAAAAAAAAAAAAAAAAAAAAAAAAAAAAAAAAAAAAAAAAAAAAAAAAAAAAAAAAAAAAAAAAAAAAAAAAAAAAAAAAAAAAAAAAAAAAAAAAAAAAAFAAAADwAAAABAAAAAAAAAOfm5gooAAAAAQAAABQAAAAUAAAAFAAAAAEAAAAAAAAAZAAAAGQAAAAAAAAAZAAAAGQAAAAVAAAAYAAAAAAAAAAAAAAADwAAACADAAAAAAAAAAAAAAEAAACgMgAAVgcAAKr4//8BAAAAf39/AAEAAABkAAAAAAAAABQAAABAHwAAAAAAACYAAAAAAAAAwOD//wAAAAAmAAAAZAAAABYAAABMAAAAAAAAAAAAAAAEAAAAAAAAAAEAAADn5uYKAAAAACgAAAAoAAAAZAAAAGQAAAAAAAAAzMzMAAAAAABQAAAAUAAAAGQAAABkAAAAAAAAABcAAAAUAAAAAAAAAAAAAAD/fwAA/38AAAAAAAAJAAAABAAAAAAAAAAeAAAAaAAAAAAAAAAAAAAAAAAAAAAAAAAAAAAAECcAABAnAAAAAAAAAAAAAAAAAAAAAAAAAAAAAAAAAAAAAAAAAAAAABQAAAAAAAAAwMD/AAAAAABkAAAAMgAAAAAAAABkAAAAAAAAAH9/fwAKAAAAIgAAABgAAAAAAAAAAAAAAAAAAAAAAAAAAAAAAAAAAAAkAAAAJAAAAAAAAAAHAAAAAAAAAAAAAAAAAAAAAAAAAAAAAAAAAAAAf39/ACUAAABYAAAAAAAAAAAAAAAAAAAAAAAAAAAAAAAAAAAAAAAAAAAAAAAAAAAAAAAAAAAAAAA/AAAAAAAAAKCGAQAAAAAAAAAAAAAAAAAMAAAAAQAAAAAAAAAAAAAAAAAAAB8AAABUAAAAIis1AP///wEAAAAAAAAAAAAAAAAAAAAAAAAAAAAAAAAAAAAAAAAAAOfm5gN/f38A5+bmA8zMzADAwP8Af39/AAAAAAAAAAAAAAAAAAAAAAAAAAAAIQAAABgAAAAUAAAAXRQAAJoCAADZNgAAlAYAABAAAAAmAAAACAAAAP//////////"/>
               </a:ext>
             </a:extLst>
           </p:cNvSpPr>
@@ -17276,8 +16994,8 @@
               </a:lnSpc>
               <a:defRPr lang="pt-br" cap="none">
                 <a:latin typeface="Arial" pitchFamily="2" charset="0"/>
-                <a:ea typeface="DejaVu Sans" pitchFamily="0" charset="0"/>
-                <a:cs typeface="DejaVu Sans" pitchFamily="0" charset="0"/>
+                <a:ea typeface="DejaVu Sans" charset="0"/>
+                <a:cs typeface="DejaVu Sans" charset="0"/>
               </a:defRPr>
             </a:pPr>
             <a:r>
@@ -17286,8 +17004,8 @@
                   <a:srgbClr val="FFFFFF"/>
                 </a:solidFill>
                 <a:latin typeface="Calibri" pitchFamily="2" charset="0"/>
-                <a:ea typeface="DejaVu Sans" pitchFamily="0" charset="0"/>
-                <a:cs typeface="DejaVu Sans" pitchFamily="0" charset="0"/>
+                <a:ea typeface="DejaVu Sans" charset="0"/>
+                <a:cs typeface="DejaVu Sans" charset="0"/>
               </a:rPr>
               <a:t>Os Quatro Pilares</a:t>
             </a:r>
@@ -17301,7 +17019,7 @@
           <p:cNvSpPr>
             <a:extLst>
               <a:ext uri="smNativeData">
-                <pr:smNativeData xmlns:pr="smNativeData" xmlns="smNativeData" val="SMDATA_15_q5OGZBMAAAAlAAAAZAAAAE0AAAAAjgAAAEcAAACOAAAARwAAAAAAAAAAAAAAAAAAAAEAAABQAAAAAAAAAAAA4D8AAAAAAADgPwAAAAAAAOA/AAAAAAAA4D8AAAAAAADgPwAAAAAAAOA/AAAAAAAA4D8AAAAAAADgPwAAAAAAAOA/AAAAAAAA4D8CAAAAjAAAAAAAAAAAAAAARHLEDP///wgAAAAAAAAAAAAAAAAAAAAAAAAAAAAAAAAAAAAAZAAAAAEAAABAAAAAAAAAAAAAAAAAAAAAAAAAAAAAAAAAAAAAAAAAAAAAAAAAAAAAAAAAAAAAAAAAAAAAAAAAAAAAAAAAAAAAAAAAAAAAAAAAAAAAAAAAAAAAAAAAAAAAFAAAADwAAAAAAAAAAAAAAAAAAAkUAAAAAQAAABQAAAAUAAAAFAAAAAEAAAAAAAAAZAAAAGQAAAAAAAAAZAAAAGQAAAAVAAAAYAAAAAAAAAAAAAAADwAAACADAAAAAAAAAAAAAAEAAACgMgAAVgcAAKr4//8BAAAAf39/AAEAAABkAAAAAAAAABQAAABAHwAAAAAAACYAAAAAAAAAwOD//wAAAAAmAAAAZAAAABYAAABMAAAAAAAAAAAAAAAEAAAAAAAAAAEAAADn5uYKAAAAACgAAAAoAAAAZAAAAGQAAAAAAAAAzMzMAAAAAABQAAAAUAAAAGQAAABkAAAAAAAAABcAAAAUAAAAAAAAAAAAAAD/fwAA/38AAAAAAAAJAAAABAAAAF8AYAAeAAAAaAAAAAAAAAAAAAAAAAAAAAAAAAAAAAAAECcAABAnAAAAAAAAAAAAAAAAAAAAAAAAAAAAAAAAAAAAAAAAAAAAABQAAAAAAAAAwMD/AAAAAABkAAAAMgAAAAAAAABkAAAAAAAAAH9/fwAKAAAAIgAAABgAAAAAAAAAAAAAAAAAAAAAAAAAAAAAAAAAAAAkAAAAJAAAAAAAAAAHAAAAAAAAAAAAAAAAAAAAAAAAAAAAAAAAAAAAf39/ACUAAABYAAAAAAAAAAAAAAAAAAAAAAAAAAAAAAAAAAAAAAAAAAAAAAAAAAAAAAAAAAAAAAA/AAAAAAAAAKCGAQAAAAAAAAAAAAAAAAAMAAAAAQAAAAAAAAAAAAAAAAAAAB8AAABUAAAARHLEBf///wEAAAAAAAAAAAAAAAAAAAAAAAAAAAAAAAAAAAAAAAAAAAAAAAJ/f38A5+bmA8zMzADAwP8Af39/AAAAAAAAAAAAAAAAAAAAAAAAAAAAIQAAABgAAAAUAAAARgMAAOgPAAD/IAAARhwAABAgAAAmAAAACAAAAP//////////"/>
+                <pr:smNativeData xmlns="smNativeData" xmlns:pr="smNativeData" xmlns:p15="http://schemas.microsoft.com/office/powerpoint/2012/main" xmlns:p14="http://schemas.microsoft.com/office/powerpoint/2010/main" xmlns:mc="http://schemas.openxmlformats.org/markup-compatibility/2006" val="SMDATA_15_q5OGZBMAAAAlAAAAZAAAAE0AAAAAjgAAAEcAAACOAAAARwAAAAAAAAAAAAAAAAAAAAEAAABQAAAAAAAAAAAA4D8AAAAAAADgPwAAAAAAAOA/AAAAAAAA4D8AAAAAAADgPwAAAAAAAOA/AAAAAAAA4D8AAAAAAADgPwAAAAAAAOA/AAAAAAAA4D8CAAAAjAAAAAAAAAAAAAAARHLEDP///wgAAAAAAAAAAAAAAAAAAAAAAAAAAAAAAAAAAAAAZAAAAAEAAABAAAAAAAAAAAAAAAAAAAAAAAAAAAAAAAAAAAAAAAAAAAAAAAAAAAAAAAAAAAAAAAAAAAAAAAAAAAAAAAAAAAAAAAAAAAAAAAAAAAAAAAAAAAAAAAAAAAAAFAAAADwAAAAAAAAAAAAAAAAAAAkUAAAAAQAAABQAAAAUAAAAFAAAAAEAAAAAAAAAZAAAAGQAAAAAAAAAZAAAAGQAAAAVAAAAYAAAAAAAAAAAAAAADwAAACADAAAAAAAAAAAAAAEAAACgMgAAVgcAAKr4//8BAAAAf39/AAEAAABkAAAAAAAAABQAAABAHwAAAAAAACYAAAAAAAAAwOD//wAAAAAmAAAAZAAAABYAAABMAAAAAAAAAAAAAAAEAAAAAAAAAAEAAADn5uYKAAAAACgAAAAoAAAAZAAAAGQAAAAAAAAAzMzMAAAAAABQAAAAUAAAAGQAAABkAAAAAAAAABcAAAAUAAAAAAAAAAAAAAD/fwAA/38AAAAAAAAJAAAABAAAAF8AYAAeAAAAaAAAAAAAAAAAAAAAAAAAAAAAAAAAAAAAECcAABAnAAAAAAAAAAAAAAAAAAAAAAAAAAAAAAAAAAAAAAAAAAAAABQAAAAAAAAAwMD/AAAAAABkAAAAMgAAAAAAAABkAAAAAAAAAH9/fwAKAAAAIgAAABgAAAAAAAAAAAAAAAAAAAAAAAAAAAAAAAAAAAAkAAAAJAAAAAAAAAAHAAAAAAAAAAAAAAAAAAAAAAAAAAAAAAAAAAAAf39/ACUAAABYAAAAAAAAAAAAAAAAAAAAAAAAAAAAAAAAAAAAAAAAAAAAAAAAAAAAAAAAAAAAAAA/AAAAAAAAAKCGAQAAAAAAAAAAAAAAAAAMAAAAAQAAAAAAAAAAAAAAAAAAAB8AAABUAAAARHLEBf///wEAAAAAAAAAAAAAAAAAAAAAAAAAAAAAAAAAAAAAAAAAAAAAAAJ/f38A5+bmA8zMzADAwP8Af39/AAAAAAAAAAAAAAAAAAAAAAAAAAAAIQAAABgAAAAUAAAARgMAAOgPAAD/IAAARhwAABAgAAAmAAAACAAAAP//////////"/>
               </a:ext>
             </a:extLst>
           </p:cNvSpPr>
@@ -17331,8 +17049,8 @@
               </a:lnSpc>
               <a:defRPr lang="pt-br" cap="none">
                 <a:latin typeface="Arial" pitchFamily="2" charset="0"/>
-                <a:ea typeface="DejaVu Sans" pitchFamily="0" charset="0"/>
-                <a:cs typeface="DejaVu Sans" pitchFamily="0" charset="0"/>
+                <a:ea typeface="DejaVu Sans" charset="0"/>
+                <a:cs typeface="DejaVu Sans" charset="0"/>
               </a:defRPr>
             </a:pPr>
             <a:r>
@@ -17340,9 +17058,9 @@
                 <a:solidFill>
                   <a:srgbClr val="FFFFFF"/>
                 </a:solidFill>
-                <a:latin typeface="Source Serif Pro" pitchFamily="0" charset="0"/>
-                <a:ea typeface="DejaVu Sans" pitchFamily="0" charset="0"/>
-                <a:cs typeface="DejaVu Sans" pitchFamily="0" charset="0"/>
+                <a:latin typeface="Source Serif Pro" charset="0"/>
+                <a:ea typeface="DejaVu Sans" charset="0"/>
+                <a:cs typeface="DejaVu Sans" charset="0"/>
               </a:rPr>
               <a:t>Para entendermos exatamente do que se trata a orientação a objetos, vamos entender quais são os requerimentos de uma linguagem para ser considerada nesse paradigma. Para isso, a linguagem precisa atender a quatro tópicos bastante importantes:</a:t>
             </a:r>
@@ -17355,7 +17073,7 @@
           <p:cNvPicPr>
             <a:extLst>
               <a:ext uri="smNativeData">
-                <pr:smNativeData xmlns:pr="smNativeData" xmlns="smNativeData" val="SMDATA_17_q5OGZBMAAAAlAAAAEQAAAA0AAAAAkAAAAEgAAACQAAAASAAAAAAAAAAAAAAAAAAAAAEAAABQAAAAAAAAAAAA4D8AAAAAAADgPwAAAAAAAOA/AAAAAAAA4D8AAAAAAADgPwAAAAAAAOA/AAAAAAAA4D8AAAAAAADgPwAAAAAAAOA/AAAAAAAA4D8CAAAAjAAAAAAAAAAAAAAARHLEDP///wgAAAAAAAAAAAAAAAAAAAAAAAAAAAAAAAAAAAAAZAAAAAEAAABAAAAAAAAAAAAAAAAAAAAAAAAAAAAAAAAAAAAAAAAAAAAAAAAAAAAAAAAAAAAAAAAAAAAAAAAAAAAAAAAAAAAAAAAAAAAAAAAAAAAAAAAAAAAAAAAAAAAAFAAAADwAAAAAAAAAAAAAAAAAAAkUAAAAAQAAABQAAAAUAAAAFAAAAAEAAAAAAAAAZAAAAGQAAAAAAAAAZAAAAGQAAAAVAAAAYAAAAAAAAAAAAAAADwAAACADAAAAAAAAAAAAAAEAAACgMgAAVgcAAKr4//8BAAAAf39/AAEAAABkAAAAAAAAABQAAABAHwAAAAAAACYAAAAAAAAAwOD//wAAAAAmAAAAZAAAABYAAABMAAAAAAAAAAAAAAAEAAAAAAAAAAEAAADn5uYKAAAAACgAAAAoAAAAZAAAAGQAAAAAAAAAzMzMAAAAAABQAAAAUAAAAGQAAABkAAAAAAAAAAcAAAA4AAAAAAAAAAAAAAAAAAAA////AAAAAAAAAAAAAAAAAAAAAAAAAAAAAAAAAAAAAABkAAAAZAAAAAAAAAAjAAAABAAAAGQAAAAXAAAAFAAAAAAAAAAAAAAA/38AAP9/AAAAAAAACQAAAAQAAACs65gQHgAAAGgAAAAAAAAAAAAAAAAAAAAAAAAAAAAAABAnAAAQJwAAAAAAAAAAAAAAAAAAAAAAAAAAAAAAAAAAAAAAAAAAAAAUAAAAAAAAAMDA/wAAAAAAZAAAADIAAAAAAAAAZAAAAAAAAAB/f38ACgAAACIAAAAYAAAAAAAAAAAAAAAAAAAAAAAAAAAAAAAAAAAAJAAAACQAAAAAAAAABwAAAAAAAAAAAAAAAAAAAAAAAAAAAAAAAAAAAH9/fwAlAAAAWAAAAAAAAAAAAAAAAAAAAAAAAAAAAAAAAAAAAAAAAAAAAAAAAAAAAAAAAAAAAAAAPwAAAAAAAACghgEAAAAAAAAAAAAAAAAADAAAAAEAAAAAAAAAAAAAAAAAAAAfAAAAVAAAAERyxAX///8BAAAAAAAAAAAAAAAAAAAAAAAAAAAAAAAAAAAAAAAAAAAAAAACf39/AOfm5gPMzMwAwMD/AH9/fwAAAAAAAAAAAAAAAAD///8AAAAAACEAAAAYAAAAFAAAAEEkAACKDAAA4kgAAMQfAAAQAAAAJgAAAAgAAAD//////////w=="/>
+                <pr:smNativeData xmlns="smNativeData" xmlns:pr="smNativeData" xmlns:p15="http://schemas.microsoft.com/office/powerpoint/2012/main" xmlns:p14="http://schemas.microsoft.com/office/powerpoint/2010/main" xmlns:mc="http://schemas.openxmlformats.org/markup-compatibility/2006" val="SMDATA_17_q5OGZBMAAAAlAAAAEQAAAA0AAAAAkAAAAEgAAACQAAAASAAAAAAAAAAAAAAAAAAAAAEAAABQAAAAAAAAAAAA4D8AAAAAAADgPwAAAAAAAOA/AAAAAAAA4D8AAAAAAADgPwAAAAAAAOA/AAAAAAAA4D8AAAAAAADgPwAAAAAAAOA/AAAAAAAA4D8CAAAAjAAAAAAAAAAAAAAARHLEDP///wgAAAAAAAAAAAAAAAAAAAAAAAAAAAAAAAAAAAAAZAAAAAEAAABAAAAAAAAAAAAAAAAAAAAAAAAAAAAAAAAAAAAAAAAAAAAAAAAAAAAAAAAAAAAAAAAAAAAAAAAAAAAAAAAAAAAAAAAAAAAAAAAAAAAAAAAAAAAAAAAAAAAAFAAAADwAAAAAAAAAAAAAAAAAAAkUAAAAAQAAABQAAAAUAAAAFAAAAAEAAAAAAAAAZAAAAGQAAAAAAAAAZAAAAGQAAAAVAAAAYAAAAAAAAAAAAAAADwAAACADAAAAAAAAAAAAAAEAAACgMgAAVgcAAKr4//8BAAAAf39/AAEAAABkAAAAAAAAABQAAABAHwAAAAAAACYAAAAAAAAAwOD//wAAAAAmAAAAZAAAABYAAABMAAAAAAAAAAAAAAAEAAAAAAAAAAEAAADn5uYKAAAAACgAAAAoAAAAZAAAAGQAAAAAAAAAzMzMAAAAAABQAAAAUAAAAGQAAABkAAAAAAAAAAcAAAA4AAAAAAAAAAAAAAAAAAAA////AAAAAAAAAAAAAAAAAAAAAAAAAAAAAAAAAAAAAABkAAAAZAAAAAAAAAAjAAAABAAAAGQAAAAXAAAAFAAAAAAAAAAAAAAA/38AAP9/AAAAAAAACQAAAAQAAACs65gQHgAAAGgAAAAAAAAAAAAAAAAAAAAAAAAAAAAAABAnAAAQJwAAAAAAAAAAAAAAAAAAAAAAAAAAAAAAAAAAAAAAAAAAAAAUAAAAAAAAAMDA/wAAAAAAZAAAADIAAAAAAAAAZAAAAAAAAAB/f38ACgAAACIAAAAYAAAAAAAAAAAAAAAAAAAAAAAAAAAAAAAAAAAAJAAAACQAAAAAAAAABwAAAAAAAAAAAAAAAAAAAAAAAAAAAAAAAAAAAH9/fwAlAAAAWAAAAAAAAAAAAAAAAAAAAAAAAAAAAAAAAAAAAAAAAAAAAAAAAAAAAAAAAAAAAAAAPwAAAAAAAACghgEAAAAAAAAAAAAAAAAADAAAAAEAAAAAAAAAAAAAAAAAAAAfAAAAVAAAAERyxAX///8BAAAAAAAAAAAAAAAAAAAAAAAAAAAAAAAAAAAAAAAAAAAAAAACf39/AOfm5gPMzMwAwMD/AH9/fwAAAAAAAAAAAAAAAAD///8AAAAAACEAAAAYAAAAFAAAAEEkAACKDAAA4kgAAMQfAAAQAAAAJgAAAAgAAAD//////////w=="/>
               </a:ext>
             </a:extLst>
           </p:cNvPicPr>
@@ -17387,18 +17105,11 @@
   <p:clrMapOvr>
     <a:masterClrMapping/>
   </p:clrMapOvr>
-  <p:timing>
-    <p:tnLst>
-      <p:par>
-        <p:cTn id="1" dur="indefinite" restart="never" nodeType="tmRoot"/>
-      </p:par>
-    </p:tnLst>
-  </p:timing>
 </p:sld>
 </file>
 
 <file path=ppt/slides/slide7.xml><?xml version="1.0" encoding="utf-8"?>
-<p:sld xmlns:p="http://schemas.openxmlformats.org/presentationml/2006/main" xmlns:mc="http://schemas.openxmlformats.org/markup-compatibility/2006" xmlns:p14="http://schemas.microsoft.com/office/powerpoint/2010/main" xmlns:p15="http://schemas.microsoft.com/office/powerpoint/2012/main" xmlns:r="http://schemas.openxmlformats.org/officeDocument/2006/relationships" xmlns:a="http://schemas.openxmlformats.org/drawingml/2006/main" mc:Ignorable="p14">
+<p:sld xmlns:a="http://schemas.openxmlformats.org/drawingml/2006/main" xmlns:r="http://schemas.openxmlformats.org/officeDocument/2006/relationships" xmlns:p="http://schemas.openxmlformats.org/presentationml/2006/main">
   <p:cSld>
     <p:bg>
       <p:bgPr>
@@ -17428,7 +17139,7 @@
           <p:cNvSpPr>
             <a:extLst>
               <a:ext uri="smNativeData">
-                <pr:smNativeData xmlns:pr="smNativeData" xmlns="smNativeData" val="SMDATA_15_q5OGZBMAAAAlAAAAqgAAAA0AAAAAkAAAAEgAAACQAAAASAAAAAAAAAAAAAAAAAAAAAEAAABQAAAAda9fBcX/xz8AAAAAAADgPwAAAAAAAOA/AAAAAAAA4D8AAAAAAADgPwAAAAAAAOA/AAAAAAAA4D8AAAAAAADgPwAAAAAAAOA/AAAAAAAA4D8CAAAAjAAAAAEAAAAAAAAANEBQAP///wgAAAAAAAAAAAAAAAAAAAAAAAAAAAAAAAAAAAAAZAAAAAEAAABAAAAAAAAAAAAAAAAAAAAAAAAAAAAAAAAAAAAAAAAAAAAAAAAAAAAAAAAAAAAAAAAAAAAAAAAAAAAAAAAAAAAAAAAAAAAAAAAAAAAAAAAAAAAAAAAAAAAAFAAAADwAAAABAAAAAAAAAP///wgoAAAAAQAAABQAAAAUAAAAFAAAAAEAAAAAAAAAZAAAAGQAAAAAAAAAZAAAAGQAAAAVAAAAYAAAAAAAAAAAAAAADwAAACADAAAAAAAAAAAAAAEAAACgMgAAVgcAAKr4//8BAAAAf39/AAEAAABkAAAAAAAAABQAAABAHwAAAAAAACYAAAAAAAAAwOD//wAAAAAmAAAAZAAAABYAAABMAAAAAAAAAAAAAAAEAAAAAAAAAAEAAADn5uYKAAAAACgAAAAoAAAAZAAAAGQAAAAAAAAAzMzMAAAAAABQAAAAUAAAAGQAAABkAAAAAAAAABcAAAAUAAAAAAAAAAAAAAD/fwAA/38AAAAAAAAJAAAABAAAAF8AYAAeAAAAaAAAAAAAAAAAAAAAAAAAAAAAAAAAAAAAECcAABAnAAAAAAAAAAAAAAAAAAAAAAAAAAAAAAAAAAAAAAAAAAAAABQAAAAAAAAAwMD/AAAAAABkAAAAMgAAAAAAAABkAAAAAAAAAH9/fwAKAAAAIgAAABgAAAAAAAAAAAAAAAAAAAAAAAAAAAAAAAAAAAAkAAAAJAAAAAAAAAAHAAAAAAAAAAAAAAAAAAAAAAAAAAAAAAAAAAAAf39/ACUAAABYAAAAAAAAAAAAAAAAAAAAAAAAAAAAAAAAAAAAAAAAAAAAAAAAAAAAAAAAAAAAAAA/AAAAAAAAAKCGAQAAAAAAAAAAAAAAAAAMAAAAAQAAAAAAAAAAAAAAAAAAAB8AAABUAAAANEBQAP///wEAAAAAAAAAAAAAAAAAAAAAAAAAAAAAAAAAAAAAAAAAAP///wF/f38A5+bmA8zMzADAwP8Af39/AAAAAAAAAAAAAAAAAAAAAAAAAAAAIQAAABgAAAAUAAAAAAAAAAAAAAD/SgAALyoAABAAAAAmAAAACAAAAP//////////"/>
+                <pr:smNativeData xmlns="smNativeData" xmlns:pr="smNativeData" xmlns:p15="http://schemas.microsoft.com/office/powerpoint/2012/main" xmlns:p14="http://schemas.microsoft.com/office/powerpoint/2010/main" xmlns:mc="http://schemas.openxmlformats.org/markup-compatibility/2006" val="SMDATA_15_q5OGZBMAAAAlAAAAqgAAAA0AAAAAkAAAAEgAAACQAAAASAAAAAAAAAAAAAAAAAAAAAEAAABQAAAAda9fBcX/xz8AAAAAAADgPwAAAAAAAOA/AAAAAAAA4D8AAAAAAADgPwAAAAAAAOA/AAAAAAAA4D8AAAAAAADgPwAAAAAAAOA/AAAAAAAA4D8CAAAAjAAAAAEAAAAAAAAANEBQAP///wgAAAAAAAAAAAAAAAAAAAAAAAAAAAAAAAAAAAAAZAAAAAEAAABAAAAAAAAAAAAAAAAAAAAAAAAAAAAAAAAAAAAAAAAAAAAAAAAAAAAAAAAAAAAAAAAAAAAAAAAAAAAAAAAAAAAAAAAAAAAAAAAAAAAAAAAAAAAAAAAAAAAAFAAAADwAAAABAAAAAAAAAP///wgoAAAAAQAAABQAAAAUAAAAFAAAAAEAAAAAAAAAZAAAAGQAAAAAAAAAZAAAAGQAAAAVAAAAYAAAAAAAAAAAAAAADwAAACADAAAAAAAAAAAAAAEAAACgMgAAVgcAAKr4//8BAAAAf39/AAEAAABkAAAAAAAAABQAAABAHwAAAAAAACYAAAAAAAAAwOD//wAAAAAmAAAAZAAAABYAAABMAAAAAAAAAAAAAAAEAAAAAAAAAAEAAADn5uYKAAAAACgAAAAoAAAAZAAAAGQAAAAAAAAAzMzMAAAAAABQAAAAUAAAAGQAAABkAAAAAAAAABcAAAAUAAAAAAAAAAAAAAD/fwAA/38AAAAAAAAJAAAABAAAAF8AYAAeAAAAaAAAAAAAAAAAAAAAAAAAAAAAAAAAAAAAECcAABAnAAAAAAAAAAAAAAAAAAAAAAAAAAAAAAAAAAAAAAAAAAAAABQAAAAAAAAAwMD/AAAAAABkAAAAMgAAAAAAAABkAAAAAAAAAH9/fwAKAAAAIgAAABgAAAAAAAAAAAAAAAAAAAAAAAAAAAAAAAAAAAAkAAAAJAAAAAAAAAAHAAAAAAAAAAAAAAAAAAAAAAAAAAAAAAAAAAAAf39/ACUAAABYAAAAAAAAAAAAAAAAAAAAAAAAAAAAAAAAAAAAAAAAAAAAAAAAAAAAAAAAAAAAAAA/AAAAAAAAAKCGAQAAAAAAAAAAAAAAAAAMAAAAAQAAAAAAAAAAAAAAAAAAAB8AAABUAAAANEBQAP///wEAAAAAAAAAAAAAAAAAAAAAAAAAAAAAAAAAAAAAAAAAAP///wF/f38A5+bmA8zMzADAwP8Af39/AAAAAAAAAAAAAAAAAAAAAAAAAAAAIQAAABgAAAAUAAAAAAAAAAAAAAD/SgAALyoAABAAAAAmAAAACAAAAP//////////"/>
               </a:ext>
             </a:extLst>
           </p:cNvSpPr>
@@ -17464,7 +17175,7 @@
           <p:cNvSpPr>
             <a:extLst>
               <a:ext uri="smNativeData">
-                <pr:smNativeData xmlns:pr="smNativeData" xmlns="smNativeData" val="SMDATA_15_q5OGZBMAAAAlAAAAZAAAAE0AAAAAjgAAAEcAAACOAAAARwAAAAAAAAAAAAAAAAAAAAEAAABQAAAAAAAAAAAA4D8AAAAAAADgPwAAAAAAAOA/AAAAAAAA4D8AAAAAAADgPwAAAAAAAOA/AAAAAAAA4D8AAAAAAADgPwAAAAAAAOA/AAAAAAAA4D8CAAAAjAAAAAAAAAAAAAAARHLEDP///wgAAAAAAAAAAAAAAAAAAAAAAAAAAAAAAAAAAAAAZAAAAAEAAABAAAAAAAAAAAAAAAAAAAAAAAAAAAAAAAAAAAAAAAAAAAAAAAAAAAAAAAAAAAAAAAAAAAAAAAAAAAAAAAAAAAAAAAAAAAAAAAAAAAAAAAAAAAAAAAAAAAAAFAAAADwAAAAAAAAAAAAAAAAAAAkUAAAAAQAAABQAAAAUAAAAFAAAAAEAAAAAAAAAZAAAAGQAAAAAAAAAZAAAAGQAAAAVAAAAYAAAAAAAAAAAAAAADwAAACADAAAAAAAAAAAAAAEAAACgMgAAVgcAAKr4//8BAAAAf39/AAEAAABkAAAAAAAAABQAAABAHwAAAAAAACYAAAAAAAAAwOD//wAAAAAmAAAAZAAAABYAAABMAAAAAAAAAAAAAAAEAAAAAAAAAAEAAADn5uYKAAAAACgAAAAoAAAAZAAAAGQAAAAAAAAAzMzMAAAAAABQAAAAUAAAAGQAAABkAAAAAAAAABcAAAAUAAAAAAAAAAAAAAD/fwAA/38AAAAAAAAJAAAABAAAAAAAAAAeAAAAaAAAAAAAAAAAAAAAAAAAAAAAAAAAAAAAECcAABAnAAAAAAAAAAAAAAAAAAAAAAAAAAAAAAAAAAAAAAAAAAAAABQAAAAAAAAAwMD/AAAAAABkAAAAMgAAAAAAAABkAAAAAAAAAH9/fwAKAAAAIgAAABgAAAAAAAAAAAAAAAAAAAAAAAAAAAAAAAAAAAAkAAAAJAAAAAAAAAAHAAAAAAAAAAAAAAAAAAAAAAAAAAAAAAAAAAAAf39/ACUAAABYAAAAAAAAAAAAAAAAAAAAAAAAAAAAAAAAAAAAAAAAAAAAAAAAAAAAAAAAAAAAAAA/AAAAAAAAAKCGAQAAAAAAAAAAAAAAAAAMAAAAAQAAAAAAAAAAAAAAAAAAAB8AAABUAAAARHLEBf///wEAAAAAAAAAAAAAAAAAAAAAAAAAAAAAAAAAAAAAAAAAAAAAAAJ/f38A5+bmA8zMzADAwP8Af39/AAAAAAAAAAAAAAAAAAAAAAAAAAAAIQAAABgAAAAUAAAAowIAALwJAACDKQAA6SEAABAgAAAmAAAACAAAAP//////////"/>
+                <pr:smNativeData xmlns="smNativeData" xmlns:pr="smNativeData" xmlns:p15="http://schemas.microsoft.com/office/powerpoint/2012/main" xmlns:p14="http://schemas.microsoft.com/office/powerpoint/2010/main" xmlns:mc="http://schemas.openxmlformats.org/markup-compatibility/2006" val="SMDATA_15_q5OGZBMAAAAlAAAAZAAAAE0AAAAAjgAAAEcAAACOAAAARwAAAAAAAAAAAAAAAAAAAAEAAABQAAAAAAAAAAAA4D8AAAAAAADgPwAAAAAAAOA/AAAAAAAA4D8AAAAAAADgPwAAAAAAAOA/AAAAAAAA4D8AAAAAAADgPwAAAAAAAOA/AAAAAAAA4D8CAAAAjAAAAAAAAAAAAAAARHLEDP///wgAAAAAAAAAAAAAAAAAAAAAAAAAAAAAAAAAAAAAZAAAAAEAAABAAAAAAAAAAAAAAAAAAAAAAAAAAAAAAAAAAAAAAAAAAAAAAAAAAAAAAAAAAAAAAAAAAAAAAAAAAAAAAAAAAAAAAAAAAAAAAAAAAAAAAAAAAAAAAAAAAAAAFAAAADwAAAAAAAAAAAAAAAAAAAkUAAAAAQAAABQAAAAUAAAAFAAAAAEAAAAAAAAAZAAAAGQAAAAAAAAAZAAAAGQAAAAVAAAAYAAAAAAAAAAAAAAADwAAACADAAAAAAAAAAAAAAEAAACgMgAAVgcAAKr4//8BAAAAf39/AAEAAABkAAAAAAAAABQAAABAHwAAAAAAACYAAAAAAAAAwOD//wAAAAAmAAAAZAAAABYAAABMAAAAAAAAAAAAAAAEAAAAAAAAAAEAAADn5uYKAAAAACgAAAAoAAAAZAAAAGQAAAAAAAAAzMzMAAAAAABQAAAAUAAAAGQAAABkAAAAAAAAABcAAAAUAAAAAAAAAAAAAAD/fwAA/38AAAAAAAAJAAAABAAAAAAAAAAeAAAAaAAAAAAAAAAAAAAAAAAAAAAAAAAAAAAAECcAABAnAAAAAAAAAAAAAAAAAAAAAAAAAAAAAAAAAAAAAAAAAAAAABQAAAAAAAAAwMD/AAAAAABkAAAAMgAAAAAAAABkAAAAAAAAAH9/fwAKAAAAIgAAABgAAAAAAAAAAAAAAAAAAAAAAAAAAAAAAAAAAAAkAAAAJAAAAAAAAAAHAAAAAAAAAAAAAAAAAAAAAAAAAAAAAAAAAAAAf39/ACUAAABYAAAAAAAAAAAAAAAAAAAAAAAAAAAAAAAAAAAAAAAAAAAAAAAAAAAAAAAAAAAAAAA/AAAAAAAAAKCGAQAAAAAAAAAAAAAAAAAMAAAAAQAAAAAAAAAAAAAAAAAAAB8AAABUAAAARHLEBf///wEAAAAAAAAAAAAAAAAAAAAAAAAAAAAAAAAAAAAAAAAAAAAAAAJ/f38A5+bmA8zMzADAwP8Af39/AAAAAAAAAAAAAAAAAAAAAAAAAAAAIQAAABgAAAAUAAAAowIAALwJAACDKQAA6SEAABAgAAAmAAAACAAAAP//////////"/>
               </a:ext>
             </a:extLst>
           </p:cNvSpPr>
@@ -17494,8 +17205,8 @@
               </a:lnSpc>
               <a:defRPr lang="pt-br" cap="none">
                 <a:latin typeface="Arial" pitchFamily="2" charset="0"/>
-                <a:ea typeface="DejaVu Sans" pitchFamily="0" charset="0"/>
-                <a:cs typeface="DejaVu Sans" pitchFamily="0" charset="0"/>
+                <a:ea typeface="DejaVu Sans" charset="0"/>
+                <a:cs typeface="DejaVu Sans" charset="0"/>
               </a:defRPr>
             </a:pPr>
             <a:r>
@@ -17503,9 +17214,9 @@
                 <a:solidFill>
                   <a:srgbClr val="FFFFFF"/>
                 </a:solidFill>
-                <a:latin typeface="Lato" pitchFamily="0" charset="0"/>
-                <a:ea typeface="DejaVu Sans" pitchFamily="0" charset="0"/>
-                <a:cs typeface="DejaVu Sans" pitchFamily="0" charset="0"/>
+                <a:latin typeface="Lato" charset="0"/>
+                <a:ea typeface="DejaVu Sans" charset="0"/>
+                <a:cs typeface="DejaVu Sans" charset="0"/>
               </a:rPr>
               <a:t>Abstrair algo significa esconder os detalhes da implementação dentro de algo – às vezes um protótipo, às vezes em uma função. Portanto, quando você chama a função, não precisa entender exatamente o que ela está fazendo.</a:t>
             </a:r>
@@ -17517,8 +17228,8 @@
               </a:lnSpc>
               <a:defRPr lang="pt-br" cap="none">
                 <a:latin typeface="Arial" pitchFamily="2" charset="0"/>
-                <a:ea typeface="DejaVu Sans" pitchFamily="0" charset="0"/>
-                <a:cs typeface="DejaVu Sans" pitchFamily="0" charset="0"/>
+                <a:ea typeface="DejaVu Sans" charset="0"/>
+                <a:cs typeface="DejaVu Sans" charset="0"/>
               </a:defRPr>
             </a:pPr>
             <a:r>
@@ -17526,9 +17237,9 @@
                 <a:solidFill>
                   <a:srgbClr val="FFFFFF"/>
                 </a:solidFill>
-                <a:latin typeface="Lato" pitchFamily="0" charset="0"/>
-                <a:ea typeface="DejaVu Sans" pitchFamily="0" charset="0"/>
-                <a:cs typeface="DejaVu Sans" pitchFamily="0" charset="0"/>
+                <a:latin typeface="Lato" charset="0"/>
+                <a:ea typeface="DejaVu Sans" charset="0"/>
+                <a:cs typeface="DejaVu Sans" charset="0"/>
               </a:rPr>
               <a:t>Um exemplo claro do conceito de abstração seria o funcionamento de um carro. Quando acionamos ele para ligar, não precisamos saber quais passos ele faz para colocar o motor em funcionamento. Quando acionamos o freio, não precisamos saber todos os mecanismos que são acionados para fazer o carro frear. Apenas sabemos o que cada objeto ou função do carro produz como resultado.</a:t>
             </a:r>
@@ -17540,10 +17251,18 @@
               </a:lnSpc>
               <a:defRPr lang="pt-br" cap="none">
                 <a:latin typeface="Arial" pitchFamily="2" charset="0"/>
-                <a:ea typeface="DejaVu Sans" pitchFamily="0" charset="0"/>
-                <a:cs typeface="DejaVu Sans" pitchFamily="0" charset="0"/>
+                <a:ea typeface="DejaVu Sans" charset="0"/>
+                <a:cs typeface="DejaVu Sans" charset="0"/>
               </a:defRPr>
             </a:pPr>
+            <a:endParaRPr lang="pt-br" cap="none">
+              <a:solidFill>
+                <a:srgbClr val="FFFFFF"/>
+              </a:solidFill>
+              <a:latin typeface="Lato" charset="0"/>
+              <a:ea typeface="DejaVu Sans" charset="0"/>
+              <a:cs typeface="DejaVu Sans" charset="0"/>
+            </a:endParaRPr>
           </a:p>
         </p:txBody>
       </p:sp>
@@ -17553,7 +17272,7 @@
           <p:cNvSpPr>
             <a:extLst>
               <a:ext uri="smNativeData">
-                <pr:smNativeData xmlns:pr="smNativeData" xmlns="smNativeData" val="SMDATA_15_q5OGZBMAAAAlAAAAZAAAAE0AAAAAjgAAAEcAAACOAAAARwAAAAAAAAAAAAAAAAAAAAEAAABQAAAAAAAAAAAA4D8AAAAAAADgPwAAAAAAAOA/AAAAAAAA4D8AAAAAAADgPwAAAAAAAOA/AAAAAAAA4D8AAAAAAADgPwAAAAAAAOA/AAAAAAAA4D8CAAAAjAAAAAAAAAAAAAAARHLEDP///wgAAAAAAAAAAAAAAAAAAAAAAAAAAAAAAAAAAAAAZAAAAAEAAABAAAAAAAAAAAAAAAAAAAAAAAAAAAAAAAAAAAAAAAAAAAAAAAAAAAAAAAAAAAAAAAAAAAAAAAAAAAAAAAAAAAAAAAAAAAAAAAAAAAAAAAAAAAAAAAAAAAAAFAAAADwAAAAAAAAAAAAAAAAAAAkUAAAAAQAAABQAAAAUAAAAFAAAAAEAAAAAAAAAZAAAAGQAAAAAAAAAZAAAAGQAAAAVAAAAYAAAAAAAAAAAAAAADwAAACADAAAAAAAAAAAAAAEAAACgMgAAVgcAAKr4//8BAAAAf39/AAEAAABkAAAAAAAAABQAAABAHwAAAAAAACYAAAAAAAAAwOD//wAAAAAmAAAAZAAAABYAAABMAAAAAAAAAAAAAAAEAAAAAAAAAAEAAADn5uYKAAAAACgAAAAoAAAAZAAAAGQAAAAAAAAAzMzMAAAAAABQAAAAUAAAAGQAAABkAAAAAAAAABcAAAAUAAAAAAAAAAAAAAD/fwAA/38AAAAAAAAJAAAABAAAAF8AYAAeAAAAaAAAAAAAAAAAAAAAAAAAAAAAAAAAAAAAECcAABAnAAAAAAAAAAAAAAAAAAAAAAAAAAAAAAAAAAAAAAAAAAAAABQAAAAAAAAAwMD/AAAAAABkAAAAMgAAAAAAAABkAAAAAAAAAH9/fwAKAAAAIgAAABgAAAAAAAAAAAAAAAAAAAAAAAAAAAAAAAAAAAAkAAAAJAAAAAAAAAAHAAAAAAAAAAAAAAAAAAAAAAAAAAAAAAAAAAAAf39/ACUAAABYAAAAAAAAAAAAAAAAAAAAAAAAAAAAAAAAAAAAAAAAAAAAAAAAAAAAAAAAAAAAAAA/AAAAAAAAAKCGAQAAAAAAAAAAAAAAAAAMAAAAAQAAAAAAAAAAAAAAAAAAAB8AAABUAAAARHLEBf///wEAAAAAAAAAAAAAAAAAAAAAAAAAAAAAAAAAAAAAAAAAAAAAAAJ/f38A5+bmA8zMzADAwP8Af39/AAAAAAAAAAAAAAAAAAAAAAAAAAAAIQAAABgAAAAUAAAAMhQAADwCAAD7MgAAKgYAABAgAAAmAAAACAAAAP//////////"/>
+                <pr:smNativeData xmlns="smNativeData" xmlns:pr="smNativeData" xmlns:p15="http://schemas.microsoft.com/office/powerpoint/2012/main" xmlns:p14="http://schemas.microsoft.com/office/powerpoint/2010/main" xmlns:mc="http://schemas.openxmlformats.org/markup-compatibility/2006" val="SMDATA_15_q5OGZBMAAAAlAAAAZAAAAE0AAAAAjgAAAEcAAACOAAAARwAAAAAAAAAAAAAAAAAAAAEAAABQAAAAAAAAAAAA4D8AAAAAAADgPwAAAAAAAOA/AAAAAAAA4D8AAAAAAADgPwAAAAAAAOA/AAAAAAAA4D8AAAAAAADgPwAAAAAAAOA/AAAAAAAA4D8CAAAAjAAAAAAAAAAAAAAARHLEDP///wgAAAAAAAAAAAAAAAAAAAAAAAAAAAAAAAAAAAAAZAAAAAEAAABAAAAAAAAAAAAAAAAAAAAAAAAAAAAAAAAAAAAAAAAAAAAAAAAAAAAAAAAAAAAAAAAAAAAAAAAAAAAAAAAAAAAAAAAAAAAAAAAAAAAAAAAAAAAAAAAAAAAAFAAAADwAAAAAAAAAAAAAAAAAAAkUAAAAAQAAABQAAAAUAAAAFAAAAAEAAAAAAAAAZAAAAGQAAAAAAAAAZAAAAGQAAAAVAAAAYAAAAAAAAAAAAAAADwAAACADAAAAAAAAAAAAAAEAAACgMgAAVgcAAKr4//8BAAAAf39/AAEAAABkAAAAAAAAABQAAABAHwAAAAAAACYAAAAAAAAAwOD//wAAAAAmAAAAZAAAABYAAABMAAAAAAAAAAAAAAAEAAAAAAAAAAEAAADn5uYKAAAAACgAAAAoAAAAZAAAAGQAAAAAAAAAzMzMAAAAAABQAAAAUAAAAGQAAABkAAAAAAAAABcAAAAUAAAAAAAAAAAAAAD/fwAA/38AAAAAAAAJAAAABAAAAF8AYAAeAAAAaAAAAAAAAAAAAAAAAAAAAAAAAAAAAAAAECcAABAnAAAAAAAAAAAAAAAAAAAAAAAAAAAAAAAAAAAAAAAAAAAAABQAAAAAAAAAwMD/AAAAAABkAAAAMgAAAAAAAABkAAAAAAAAAH9/fwAKAAAAIgAAABgAAAAAAAAAAAAAAAAAAAAAAAAAAAAAAAAAAAAkAAAAJAAAAAAAAAAHAAAAAAAAAAAAAAAAAAAAAAAAAAAAAAAAAAAAf39/ACUAAABYAAAAAAAAAAAAAAAAAAAAAAAAAAAAAAAAAAAAAAAAAAAAAAAAAAAAAAAAAAAAAAA/AAAAAAAAAKCGAQAAAAAAAAAAAAAAAAAMAAAAAQAAAAAAAAAAAAAAAAAAAB8AAABUAAAARHLEBf///wEAAAAAAAAAAAAAAAAAAAAAAAAAAAAAAAAAAAAAAAAAAAAAAAJ/f38A5+bmA8zMzADAwP8Af39/AAAAAAAAAAAAAAAAAAAAAAAAAAAAIQAAABgAAAAUAAAAMhQAADwCAAD7MgAAKgYAABAgAAAmAAAACAAAAP//////////"/>
               </a:ext>
             </a:extLst>
           </p:cNvSpPr>
@@ -17583,8 +17302,8 @@
               </a:lnSpc>
               <a:defRPr lang="pt-br" cap="none">
                 <a:latin typeface="Arial" pitchFamily="2" charset="0"/>
-                <a:ea typeface="DejaVu Sans" pitchFamily="0" charset="0"/>
-                <a:cs typeface="DejaVu Sans" pitchFamily="0" charset="0"/>
+                <a:ea typeface="DejaVu Sans" charset="0"/>
+                <a:cs typeface="DejaVu Sans" charset="0"/>
               </a:defRPr>
             </a:pPr>
             <a:r>
@@ -17592,9 +17311,9 @@
                 <a:solidFill>
                   <a:srgbClr val="000000"/>
                 </a:solidFill>
-                <a:latin typeface="inherit" pitchFamily="0" charset="0"/>
-                <a:ea typeface="DejaVu Sans" pitchFamily="0" charset="0"/>
-                <a:cs typeface="DejaVu Sans" pitchFamily="0" charset="0"/>
+                <a:latin typeface="inherit" charset="0"/>
+                <a:ea typeface="DejaVu Sans" charset="0"/>
+                <a:cs typeface="DejaVu Sans" charset="0"/>
               </a:rPr>
               <a:t>Abstração na Programação Orientada a Objetos</a:t>
             </a:r>
@@ -17606,10 +17325,18 @@
               </a:lnSpc>
               <a:defRPr lang="pt-br" cap="none">
                 <a:latin typeface="Arial" pitchFamily="2" charset="0"/>
-                <a:ea typeface="DejaVu Sans" pitchFamily="0" charset="0"/>
-                <a:cs typeface="DejaVu Sans" pitchFamily="0" charset="0"/>
+                <a:ea typeface="DejaVu Sans" charset="0"/>
+                <a:cs typeface="DejaVu Sans" charset="0"/>
               </a:defRPr>
             </a:pPr>
+            <a:endParaRPr lang="pt-br" b="1" cap="none">
+              <a:solidFill>
+                <a:srgbClr val="000000"/>
+              </a:solidFill>
+              <a:latin typeface="inherit" charset="0"/>
+              <a:ea typeface="DejaVu Sans" charset="0"/>
+              <a:cs typeface="DejaVu Sans" charset="0"/>
+            </a:endParaRPr>
           </a:p>
         </p:txBody>
       </p:sp>
@@ -17619,7 +17346,7 @@
           <p:cNvSpPr>
             <a:extLst>
               <a:ext uri="smNativeData">
-                <pr:smNativeData xmlns:pr="smNativeData" xmlns="smNativeData" val="SMDATA_15_q5OGZBMAAAAlAAAAZAAAAA0AAAAAjgAAAEcAAACOAAAARwAAAAAAAAABAAAAAAAAAAEAAABQAAAAAAAAAAAA4D8AAAAAAADgPwAAAAAAAOA/AAAAAAAA4D8AAAAAAADgPwAAAAAAAOA/AAAAAAAA4D8AAAAAAADgPwAAAAAAAOA/AAAAAAAA4D8CAAAAjAAAAAEAAAAAAAAAIis1AP///wgAAAAAAAAAAAAAAAAAAAAAAAAAAAAAAAAAAAAAZAAAAAEAAABAAAAAAAAAAAAAAAAAAAAAAAAAAAAAAAAAAAAAAAAAAAAAAAAAAAAAAAAAAAAAAAAAAAAAAAAAAAAAAAAAAAAAAAAAAAAAAAAAAAAAAAAAAAAAAAAAAAAAFAAAADwAAAABAAAAAAAAAOfm5gooAAAAAQAAABQAAAAUAAAAFAAAAAEAAAAAAAAAZAAAAGQAAAAAAAAAZAAAAGQAAAAVAAAAYAAAAAAAAAAAAAAADwAAACADAAAAAAAAAAAAAAEAAACgMgAAVgcAAKr4//8BAAAAf39/AAEAAABkAAAAAAAAABQAAABAHwAAAAAAACYAAAAAAAAAwOD//wAAAAAmAAAAZAAAABYAAABMAAAAAAAAAAAAAAAEAAAAAAAAAAEAAADn5uYKAAAAACgAAAAoAAAAZAAAAGQAAAAAAAAAzMzMAAAAAABQAAAAUAAAAGQAAABkAAAAAAAAABcAAAAUAAAAAAAAAAAAAAD/fwAA/38AAAAAAAAJAAAABAAAAF8AYAAeAAAAaAAAAAAAAAAAAAAAAAAAAAAAAAAAAAAAECcAABAnAAAAAAAAAAAAAAAAAAAAAAAAAAAAAAAAAAAAAAAAAAAAABQAAAAAAAAAwMD/AAAAAABkAAAAMgAAAAAAAABkAAAAAAAAAH9/fwAKAAAAIgAAABgAAAAAAAAAAAAAAAAAAAAAAAAAAAAAAAAAAAAkAAAAJAAAAAAAAAAHAAAAAAAAAAAAAAAAAAAAAAAAAAAAAAAAAAAAf39/ACUAAABYAAAAAAAAAAAAAAAAAAAAAAAAAAAAAAAAAAAAAAAAAAAAAAAAAAAAAAAAAAAAAAA/AAAAAAAAAKCGAQAAAAAAAAAAAAAAAAAMAAAAAQAAAAAAAAAAAAAAAAAAAB8AAABUAAAAIis1AP///wEAAAAAAAAAAAAAAAAAAAAAAAAAAAAAAAAAAAAAAAAAAOfm5gN/f38A5+bmA8zMzADAwP8Af39/AAAAAAAAAAAAAAAAAAAAAAAAAAAAIQAAABgAAAAUAAAAQhQAAJ0BAAC9NgAA1AYAABAAAAAmAAAACAAAAP//////////"/>
+                <pr:smNativeData xmlns="smNativeData" xmlns:pr="smNativeData" xmlns:p15="http://schemas.microsoft.com/office/powerpoint/2012/main" xmlns:p14="http://schemas.microsoft.com/office/powerpoint/2010/main" xmlns:mc="http://schemas.openxmlformats.org/markup-compatibility/2006" val="SMDATA_15_q5OGZBMAAAAlAAAAZAAAAA0AAAAAjgAAAEcAAACOAAAARwAAAAAAAAABAAAAAAAAAAEAAABQAAAAAAAAAAAA4D8AAAAAAADgPwAAAAAAAOA/AAAAAAAA4D8AAAAAAADgPwAAAAAAAOA/AAAAAAAA4D8AAAAAAADgPwAAAAAAAOA/AAAAAAAA4D8CAAAAjAAAAAEAAAAAAAAAIis1AP///wgAAAAAAAAAAAAAAAAAAAAAAAAAAAAAAAAAAAAAZAAAAAEAAABAAAAAAAAAAAAAAAAAAAAAAAAAAAAAAAAAAAAAAAAAAAAAAAAAAAAAAAAAAAAAAAAAAAAAAAAAAAAAAAAAAAAAAAAAAAAAAAAAAAAAAAAAAAAAAAAAAAAAFAAAADwAAAABAAAAAAAAAOfm5gooAAAAAQAAABQAAAAUAAAAFAAAAAEAAAAAAAAAZAAAAGQAAAAAAAAAZAAAAGQAAAAVAAAAYAAAAAAAAAAAAAAADwAAACADAAAAAAAAAAAAAAEAAACgMgAAVgcAAKr4//8BAAAAf39/AAEAAABkAAAAAAAAABQAAABAHwAAAAAAACYAAAAAAAAAwOD//wAAAAAmAAAAZAAAABYAAABMAAAAAAAAAAAAAAAEAAAAAAAAAAEAAADn5uYKAAAAACgAAAAoAAAAZAAAAGQAAAAAAAAAzMzMAAAAAABQAAAAUAAAAGQAAABkAAAAAAAAABcAAAAUAAAAAAAAAAAAAAD/fwAA/38AAAAAAAAJAAAABAAAAF8AYAAeAAAAaAAAAAAAAAAAAAAAAAAAAAAAAAAAAAAAECcAABAnAAAAAAAAAAAAAAAAAAAAAAAAAAAAAAAAAAAAAAAAAAAAABQAAAAAAAAAwMD/AAAAAABkAAAAMgAAAAAAAABkAAAAAAAAAH9/fwAKAAAAIgAAABgAAAAAAAAAAAAAAAAAAAAAAAAAAAAAAAAAAAAkAAAAJAAAAAAAAAAHAAAAAAAAAAAAAAAAAAAAAAAAAAAAAAAAAAAAf39/ACUAAABYAAAAAAAAAAAAAAAAAAAAAAAAAAAAAAAAAAAAAAAAAAAAAAAAAAAAAAAAAAAAAAA/AAAAAAAAAKCGAQAAAAAAAAAAAAAAAAAMAAAAAQAAAAAAAAAAAAAAAAAAAB8AAABUAAAAIis1AP///wEAAAAAAAAAAAAAAAAAAAAAAAAAAAAAAAAAAAAAAAAAAOfm5gN/f38A5+bmA8zMzADAwP8Af39/AAAAAAAAAAAAAAAAAAAAAAAAAAAAIQAAABgAAAAUAAAAQhQAAJ0BAAC9NgAA1AYAABAAAAAmAAAACAAAAP//////////"/>
               </a:ext>
             </a:extLst>
           </p:cNvSpPr>
@@ -17656,8 +17383,8 @@
               </a:lnSpc>
               <a:defRPr lang="pt-br" cap="none">
                 <a:latin typeface="Arial" pitchFamily="2" charset="0"/>
-                <a:ea typeface="DejaVu Sans" pitchFamily="0" charset="0"/>
-                <a:cs typeface="DejaVu Sans" pitchFamily="0" charset="0"/>
+                <a:ea typeface="DejaVu Sans" charset="0"/>
+                <a:cs typeface="DejaVu Sans" charset="0"/>
               </a:defRPr>
             </a:pPr>
             <a:r>
@@ -17665,9 +17392,9 @@
                 <a:solidFill>
                   <a:srgbClr val="FFFFFF"/>
                 </a:solidFill>
-                <a:latin typeface="Montserrat" pitchFamily="0" charset="0"/>
-                <a:ea typeface="DejaVu Sans" pitchFamily="0" charset="0"/>
-                <a:cs typeface="DejaVu Sans" pitchFamily="0" charset="0"/>
+                <a:latin typeface="Montserrat" charset="0"/>
+                <a:ea typeface="DejaVu Sans" charset="0"/>
+                <a:cs typeface="DejaVu Sans" charset="0"/>
               </a:rPr>
               <a:t>Abstração</a:t>
             </a:r>
@@ -17676,9 +17403,9 @@
                 <a:solidFill>
                   <a:srgbClr val="FFFFFF"/>
                 </a:solidFill>
-                <a:latin typeface="Montserrat" pitchFamily="0" charset="0"/>
-                <a:ea typeface="DejaVu Sans" pitchFamily="0" charset="0"/>
-                <a:cs typeface="DejaVu Sans" pitchFamily="0" charset="0"/>
+                <a:latin typeface="Montserrat" charset="0"/>
+                <a:ea typeface="DejaVu Sans" charset="0"/>
+                <a:cs typeface="DejaVu Sans" charset="0"/>
               </a:rPr>
               <a:t> na Programação Orientada a Objetos</a:t>
             </a:r>
@@ -17692,7 +17419,7 @@
           <p:cNvPicPr>
             <a:extLst>
               <a:ext uri="smNativeData">
-                <pr:smNativeData xmlns:pr="smNativeData" xmlns="smNativeData" val="SMDATA_17_q5OGZBMAAAAlAAAAEQAAAA0AAAAAkAAAAEgAAACQAAAASAAAAAAAAAAAAAAAAAAAAAEAAABQAAAAAAAAAAAA4D8AAAAAAADgPwAAAAAAAOA/AAAAAAAA4D8AAAAAAADgPwAAAAAAAOA/AAAAAAAA4D8AAAAAAADgPwAAAAAAAOA/AAAAAAAA4D8CAAAAjAAAAAAAAAAAAAAARHLEDP///wgAAAAAAAAAAAAAAAAAAAAAAAAAAAAAAAAAAAAAZAAAAAEAAABAAAAAAAAAAAAAAAAAAAAAAAAAAAAAAAAAAAAAAAAAAAAAAAAAAAAAAAAAAAAAAAAAAAAAAAAAAAAAAAAAAAAAAAAAAAAAAAAAAAAAAAAAAAAAAAAAAAAAFAAAADwAAAAAAAAAAAAAAAAAAAkUAAAAAQAAABQAAAAUAAAAFAAAAAEAAAAAAAAAZAAAAGQAAAAAAAAAZAAAAGQAAAAVAAAAYAAAAAAAAAAAAAAADwAAACADAAAAAAAAAAAAAAEAAACgMgAAVgcAAKr4//8BAAAAf39/AAEAAABkAAAAAAAAABQAAABAHwAAAAAAACYAAAAAAAAAwOD//wAAAAAmAAAAZAAAABYAAABMAAAAAAAAAAAAAAAEAAAAAAAAAAEAAADn5uYKAAAAACgAAAAoAAAAZAAAAGQAAAAAAAAAzMzMAAAAAABQAAAAUAAAAGQAAABkAAAAAAAAAAcAAAA4AAAAAAAAAAAAAAAAAAAA////AAAAAAAAAAAAAAAAAAAAAAAAAAAAAAAAAAAAAABkAAAAZAAAAAAAAAAjAAAABAAAAGQAAAAXAAAAFAAAAAAAAAAAAAAA/38AAP9/AAAAAAAACQAAAAQAAADQSjkCHgAAAGgAAAAAAAAAAAAAAAAAAAAAAAAAAAAAABAnAAAQJwAAAAAAAAAAAAAAAAAAAAAAAAAAAAAAAAAAAAAAAAAAAAAUAAAAAAAAAMDA/wAAAAAAZAAAADIAAAAAAAAAZAAAAAAAAAB/f38ACgAAACIAAAAYAAAAAAAAAAAAAAAAAAAAAAAAAAAAAAAAAAAAJAAAACQAAAAAAAAABwAAAAAAAAAAAAAAAAAAAAAAAAAAAAAAAAAAAH9/fwAlAAAAWAAAAAAAAAAAAAAAAAAAAAAAAAAAAAAAAAAAAAAAAAAAAAAAAAAAAAAAAAAAAAAAPwAAAAAAAACghgEAAAAAAAAAAAAAAAAADAAAAAEAAAAAAAAAAAAAAAAAAAAfAAAAVAAAAERyxAX///8BAAAAAAAAAAAAAAAAAAAAAAAAAAAAAAAAAAAAAAAAAAAAAAACf39/AOfm5gPMzMwAwMD/AH9/fwAAAAAAAAAAAAAAAAD///8AAAAAACEAAAAYAAAAFAAAACkuAAC8CQAA30QAAHMgAAAQAAAAJgAAAAgAAAD//////////w=="/>
+                <pr:smNativeData xmlns="smNativeData" xmlns:pr="smNativeData" xmlns:p15="http://schemas.microsoft.com/office/powerpoint/2012/main" xmlns:p14="http://schemas.microsoft.com/office/powerpoint/2010/main" xmlns:mc="http://schemas.openxmlformats.org/markup-compatibility/2006" val="SMDATA_17_q5OGZBMAAAAlAAAAEQAAAA0AAAAAkAAAAEgAAACQAAAASAAAAAAAAAAAAAAAAAAAAAEAAABQAAAAAAAAAAAA4D8AAAAAAADgPwAAAAAAAOA/AAAAAAAA4D8AAAAAAADgPwAAAAAAAOA/AAAAAAAA4D8AAAAAAADgPwAAAAAAAOA/AAAAAAAA4D8CAAAAjAAAAAAAAAAAAAAARHLEDP///wgAAAAAAAAAAAAAAAAAAAAAAAAAAAAAAAAAAAAAZAAAAAEAAABAAAAAAAAAAAAAAAAAAAAAAAAAAAAAAAAAAAAAAAAAAAAAAAAAAAAAAAAAAAAAAAAAAAAAAAAAAAAAAAAAAAAAAAAAAAAAAAAAAAAAAAAAAAAAAAAAAAAAFAAAADwAAAAAAAAAAAAAAAAAAAkUAAAAAQAAABQAAAAUAAAAFAAAAAEAAAAAAAAAZAAAAGQAAAAAAAAAZAAAAGQAAAAVAAAAYAAAAAAAAAAAAAAADwAAACADAAAAAAAAAAAAAAEAAACgMgAAVgcAAKr4//8BAAAAf39/AAEAAABkAAAAAAAAABQAAABAHwAAAAAAACYAAAAAAAAAwOD//wAAAAAmAAAAZAAAABYAAABMAAAAAAAAAAAAAAAEAAAAAAAAAAEAAADn5uYKAAAAACgAAAAoAAAAZAAAAGQAAAAAAAAAzMzMAAAAAABQAAAAUAAAAGQAAABkAAAAAAAAAAcAAAA4AAAAAAAAAAAAAAAAAAAA////AAAAAAAAAAAAAAAAAAAAAAAAAAAAAAAAAAAAAABkAAAAZAAAAAAAAAAjAAAABAAAAGQAAAAXAAAAFAAAAAAAAAAAAAAA/38AAP9/AAAAAAAACQAAAAQAAADQSjkCHgAAAGgAAAAAAAAAAAAAAAAAAAAAAAAAAAAAABAnAAAQJwAAAAAAAAAAAAAAAAAAAAAAAAAAAAAAAAAAAAAAAAAAAAAUAAAAAAAAAMDA/wAAAAAAZAAAADIAAAAAAAAAZAAAAAAAAAB/f38ACgAAACIAAAAYAAAAAAAAAAAAAAAAAAAAAAAAAAAAAAAAAAAAJAAAACQAAAAAAAAABwAAAAAAAAAAAAAAAAAAAAAAAAAAAAAAAAAAAH9/fwAlAAAAWAAAAAAAAAAAAAAAAAAAAAAAAAAAAAAAAAAAAAAAAAAAAAAAAAAAAAAAAAAAAAAAPwAAAAAAAACghgEAAAAAAAAAAAAAAAAADAAAAAEAAAAAAAAAAAAAAAAAAAAfAAAAVAAAAERyxAX///8BAAAAAAAAAAAAAAAAAAAAAAAAAAAAAAAAAAAAAAAAAAAAAAACf39/AOfm5gPMzMwAwMD/AH9/fwAAAAAAAAAAAAAAAAD///8AAAAAACEAAAAYAAAAFAAAACkuAAC8CQAA30QAAHMgAAAQAAAAJgAAAAgAAAD//////////w=="/>
               </a:ext>
             </a:extLst>
           </p:cNvPicPr>
@@ -17724,18 +17451,11 @@
   <p:clrMapOvr>
     <a:masterClrMapping/>
   </p:clrMapOvr>
-  <p:timing>
-    <p:tnLst>
-      <p:par>
-        <p:cTn id="1" dur="indefinite" restart="never" nodeType="tmRoot"/>
-      </p:par>
-    </p:tnLst>
-  </p:timing>
 </p:sld>
 </file>
 
 <file path=ppt/slides/slide8.xml><?xml version="1.0" encoding="utf-8"?>
-<p:sld xmlns:p="http://schemas.openxmlformats.org/presentationml/2006/main" xmlns:mc="http://schemas.openxmlformats.org/markup-compatibility/2006" xmlns:p14="http://schemas.microsoft.com/office/powerpoint/2010/main" xmlns:p15="http://schemas.microsoft.com/office/powerpoint/2012/main" xmlns:r="http://schemas.openxmlformats.org/officeDocument/2006/relationships" xmlns:a="http://schemas.openxmlformats.org/drawingml/2006/main" mc:Ignorable="p14">
+<p:sld xmlns:a="http://schemas.openxmlformats.org/drawingml/2006/main" xmlns:r="http://schemas.openxmlformats.org/officeDocument/2006/relationships" xmlns:p="http://schemas.openxmlformats.org/presentationml/2006/main">
   <p:cSld>
     <p:bg>
       <p:bgPr>
@@ -17765,7 +17485,7 @@
           <p:cNvSpPr>
             <a:extLst>
               <a:ext uri="smNativeData">
-                <pr:smNativeData xmlns:pr="smNativeData" xmlns="smNativeData" val="SMDATA_15_q5OGZBMAAAAlAAAAqgAAAA0AAAAAkAAAAEgAAACQAAAASAAAAAAAAAAAAAAAAAAAAAEAAABQAAAAda9fBcX/xz8AAAAAAADgPwAAAAAAAOA/AAAAAAAA4D8AAAAAAADgPwAAAAAAAOA/AAAAAAAA4D8AAAAAAADgPwAAAAAAAOA/AAAAAAAA4D8CAAAAjAAAAAEAAAAAAAAANEBQAP///wgAAAAAAAAAAAAAAAAAAAAAAAAAAAAAAAAAAAAAZAAAAAEAAABAAAAAAAAAAAAAAAAAAAAAAAAAAAAAAAAAAAAAAAAAAAAAAAAAAAAAAAAAAAAAAAAAAAAAAAAAAAAAAAAAAAAAAAAAAAAAAAAAAAAAAAAAAAAAAAAAAAAAFAAAADwAAAABAAAAAAAAAP///wgoAAAAAQAAABQAAAAUAAAAFAAAAAEAAAAAAAAAZAAAAGQAAAAAAAAAZAAAAGQAAAAVAAAAYAAAAAAAAAAAAAAADwAAACADAAAAAAAAAAAAAAEAAACgMgAAVgcAAKr4//8BAAAAf39/AAEAAABkAAAAAAAAABQAAABAHwAAAAAAACYAAAAAAAAAwOD//wAAAAAmAAAAZAAAABYAAABMAAAAAAAAAAAAAAAEAAAAAAAAAAEAAADn5uYKAAAAACgAAAAoAAAAZAAAAGQAAAAAAAAAzMzMAAAAAABQAAAAUAAAAGQAAABkAAAAAAAAABcAAAAUAAAAAAAAAAAAAAD/fwAA/38AAAAAAAAJAAAABAAAAAAAAAAeAAAAaAAAAAAAAAAAAAAAAAAAAAAAAAAAAAAAECcAABAnAAAAAAAAAAAAAAAAAAAAAAAAAAAAAAAAAAAAAAAAAAAAABQAAAAAAAAAwMD/AAAAAABkAAAAMgAAAAAAAABkAAAAAAAAAH9/fwAKAAAAIgAAABgAAAAAAAAAAAAAAAAAAAAAAAAAAAAAAAAAAAAkAAAAJAAAAAAAAAAHAAAAAAAAAAAAAAAAAAAAAAAAAAAAAAAAAAAAf39/ACUAAABYAAAAAAAAAAAAAAAAAAAAAAAAAAAAAAAAAAAAAAAAAAAAAAAAAAAAAAAAAAAAAAA/AAAAAAAAAKCGAQAAAAAAAAAAAAAAAAAMAAAAAQAAAAAAAAAAAAAAAAAAAB8AAABUAAAANEBQAP///wEAAAAAAAAAAAAAAAAAAAAAAAAAAAAAAAAAAAAAAAAAAP///wF/f38A5+bmA8zMzADAwP8Af39/AAAAAAAAAAAAAAAAAAAAAAAAAAAAIQAAABgAAAAUAAAAAAAAAAAAAAD/SgAALyoAABAAAAAmAAAACAAAAP//////////"/>
+                <pr:smNativeData xmlns="smNativeData" xmlns:pr="smNativeData" xmlns:p15="http://schemas.microsoft.com/office/powerpoint/2012/main" xmlns:p14="http://schemas.microsoft.com/office/powerpoint/2010/main" xmlns:mc="http://schemas.openxmlformats.org/markup-compatibility/2006" val="SMDATA_15_q5OGZBMAAAAlAAAAqgAAAA0AAAAAkAAAAEgAAACQAAAASAAAAAAAAAAAAAAAAAAAAAEAAABQAAAAda9fBcX/xz8AAAAAAADgPwAAAAAAAOA/AAAAAAAA4D8AAAAAAADgPwAAAAAAAOA/AAAAAAAA4D8AAAAAAADgPwAAAAAAAOA/AAAAAAAA4D8CAAAAjAAAAAEAAAAAAAAANEBQAP///wgAAAAAAAAAAAAAAAAAAAAAAAAAAAAAAAAAAAAAZAAAAAEAAABAAAAAAAAAAAAAAAAAAAAAAAAAAAAAAAAAAAAAAAAAAAAAAAAAAAAAAAAAAAAAAAAAAAAAAAAAAAAAAAAAAAAAAAAAAAAAAAAAAAAAAAAAAAAAAAAAAAAAFAAAADwAAAABAAAAAAAAAP///wgoAAAAAQAAABQAAAAUAAAAFAAAAAEAAAAAAAAAZAAAAGQAAAAAAAAAZAAAAGQAAAAVAAAAYAAAAAAAAAAAAAAADwAAACADAAAAAAAAAAAAAAEAAACgMgAAVgcAAKr4//8BAAAAf39/AAEAAABkAAAAAAAAABQAAABAHwAAAAAAACYAAAAAAAAAwOD//wAAAAAmAAAAZAAAABYAAABMAAAAAAAAAAAAAAAEAAAAAAAAAAEAAADn5uYKAAAAACgAAAAoAAAAZAAAAGQAAAAAAAAAzMzMAAAAAABQAAAAUAAAAGQAAABkAAAAAAAAABcAAAAUAAAAAAAAAAAAAAD/fwAA/38AAAAAAAAJAAAABAAAAAAAAAAeAAAAaAAAAAAAAAAAAAAAAAAAAAAAAAAAAAAAECcAABAnAAAAAAAAAAAAAAAAAAAAAAAAAAAAAAAAAAAAAAAAAAAAABQAAAAAAAAAwMD/AAAAAABkAAAAMgAAAAAAAABkAAAAAAAAAH9/fwAKAAAAIgAAABgAAAAAAAAAAAAAAAAAAAAAAAAAAAAAAAAAAAAkAAAAJAAAAAAAAAAHAAAAAAAAAAAAAAAAAAAAAAAAAAAAAAAAAAAAf39/ACUAAABYAAAAAAAAAAAAAAAAAAAAAAAAAAAAAAAAAAAAAAAAAAAAAAAAAAAAAAAAAAAAAAA/AAAAAAAAAKCGAQAAAAAAAAAAAAAAAAAMAAAAAQAAAAAAAAAAAAAAAAAAAB8AAABUAAAANEBQAP///wEAAAAAAAAAAAAAAAAAAAAAAAAAAAAAAAAAAAAAAAAAAP///wF/f38A5+bmA8zMzADAwP8Af39/AAAAAAAAAAAAAAAAAAAAAAAAAAAAIQAAABgAAAAUAAAAAAAAAAAAAAD/SgAALyoAABAAAAAmAAAACAAAAP//////////"/>
               </a:ext>
             </a:extLst>
           </p:cNvSpPr>
@@ -17801,7 +17521,7 @@
           <p:cNvSpPr>
             <a:extLst>
               <a:ext uri="smNativeData">
-                <pr:smNativeData xmlns:pr="smNativeData" xmlns="smNativeData" val="SMDATA_15_q5OGZBMAAAAlAAAAZAAAAA0AAAAAjgAAAEcAAACOAAAARwAAAAAAAAABAAAAAAAAAAEAAABQAAAAAAAAAAAA4D8AAAAAAADgPwAAAAAAAOA/AAAAAAAA4D8AAAAAAADgPwAAAAAAAOA/AAAAAAAA4D8AAAAAAADgPwAAAAAAAOA/AAAAAAAA4D8CAAAAjAAAAAEAAAAAAAAAIis1AP///wgAAAAAAAAAAAAAAAAAAAAAAAAAAAAAAAAAAAAAZAAAAAEAAABAAAAAAAAAAAAAAAAAAAAAAAAAAAAAAAAAAAAAAAAAAAAAAAAAAAAAAAAAAAAAAAAAAAAAAAAAAAAAAAAAAAAAAAAAAAAAAAAAAAAAAAAAAAAAAAAAAAAAFAAAADwAAAABAAAAAAAAAOfm5gooAAAAAQAAABQAAAAUAAAAFAAAAAEAAAAAAAAAZAAAAGQAAAAAAAAAZAAAAGQAAAAVAAAAYAAAAAAAAAAAAAAADwAAACADAAAAAAAAAAAAAAEAAACgMgAAVgcAAKr4//8BAAAAf39/AAEAAABkAAAAAAAAABQAAABAHwAAAAAAACYAAAAAAAAAwOD//wAAAAAmAAAAZAAAABYAAABMAAAAAAAAAAAAAAAEAAAAAAAAAAEAAADn5uYKAAAAACgAAAAoAAAAZAAAAGQAAAAAAAAAzMzMAAAAAABQAAAAUAAAAGQAAABkAAAAAAAAABcAAAAUAAAAAAAAAAAAAAD/fwAA/38AAAAAAAAJAAAABAAAAF8AYAAeAAAAaAAAAAAAAAAAAAAAAAAAAAAAAAAAAAAAECcAABAnAAAAAAAAAAAAAAAAAAAAAAAAAAAAAAAAAAAAAAAAAAAAABQAAAAAAAAAwMD/AAAAAABkAAAAMgAAAAAAAABkAAAAAAAAAH9/fwAKAAAAIgAAABgAAAAAAAAAAAAAAAAAAAAAAAAAAAAAAAAAAAAkAAAAJAAAAAAAAAAHAAAAAAAAAAAAAAAAAAAAAAAAAAAAAAAAAAAAf39/ACUAAABYAAAAAAAAAAAAAAAAAAAAAAAAAAAAAAAAAAAAAAAAAAAAAAAAAAAAAAAAAAAAAAA/AAAAAAAAAKCGAQAAAAAAAAAAAAAAAAAMAAAAAQAAAAAAAAAAAAAAAAAAAB8AAABUAAAAIis1AP///wEAAAAAAAAAAAAAAAAAAAAAAAAAAAAAAAAAAAAAAAAAAOfm5gN/f38A5+bmA8zMzADAwP8Af39/AAAAAAAAAAAAAAAAAAAAAAAAAAAAIQAAABgAAAAUAAAAXRQAAJoCAADZNgAAlAYAABAAAAAmAAAACAAAAP//////////"/>
+                <pr:smNativeData xmlns="smNativeData" xmlns:pr="smNativeData" xmlns:p15="http://schemas.microsoft.com/office/powerpoint/2012/main" xmlns:p14="http://schemas.microsoft.com/office/powerpoint/2010/main" xmlns:mc="http://schemas.openxmlformats.org/markup-compatibility/2006" val="SMDATA_15_q5OGZBMAAAAlAAAAZAAAAA0AAAAAjgAAAEcAAACOAAAARwAAAAAAAAABAAAAAAAAAAEAAABQAAAAAAAAAAAA4D8AAAAAAADgPwAAAAAAAOA/AAAAAAAA4D8AAAAAAADgPwAAAAAAAOA/AAAAAAAA4D8AAAAAAADgPwAAAAAAAOA/AAAAAAAA4D8CAAAAjAAAAAEAAAAAAAAAIis1AP///wgAAAAAAAAAAAAAAAAAAAAAAAAAAAAAAAAAAAAAZAAAAAEAAABAAAAAAAAAAAAAAAAAAAAAAAAAAAAAAAAAAAAAAAAAAAAAAAAAAAAAAAAAAAAAAAAAAAAAAAAAAAAAAAAAAAAAAAAAAAAAAAAAAAAAAAAAAAAAAAAAAAAAFAAAADwAAAABAAAAAAAAAOfm5gooAAAAAQAAABQAAAAUAAAAFAAAAAEAAAAAAAAAZAAAAGQAAAAAAAAAZAAAAGQAAAAVAAAAYAAAAAAAAAAAAAAADwAAACADAAAAAAAAAAAAAAEAAACgMgAAVgcAAKr4//8BAAAAf39/AAEAAABkAAAAAAAAABQAAABAHwAAAAAAACYAAAAAAAAAwOD//wAAAAAmAAAAZAAAABYAAABMAAAAAAAAAAAAAAAEAAAAAAAAAAEAAADn5uYKAAAAACgAAAAoAAAAZAAAAGQAAAAAAAAAzMzMAAAAAABQAAAAUAAAAGQAAABkAAAAAAAAABcAAAAUAAAAAAAAAAAAAAD/fwAA/38AAAAAAAAJAAAABAAAAF8AYAAeAAAAaAAAAAAAAAAAAAAAAAAAAAAAAAAAAAAAECcAABAnAAAAAAAAAAAAAAAAAAAAAAAAAAAAAAAAAAAAAAAAAAAAABQAAAAAAAAAwMD/AAAAAABkAAAAMgAAAAAAAABkAAAAAAAAAH9/fwAKAAAAIgAAABgAAAAAAAAAAAAAAAAAAAAAAAAAAAAAAAAAAAAkAAAAJAAAAAAAAAAHAAAAAAAAAAAAAAAAAAAAAAAAAAAAAAAAAAAAf39/ACUAAABYAAAAAAAAAAAAAAAAAAAAAAAAAAAAAAAAAAAAAAAAAAAAAAAAAAAAAAAAAAAAAAA/AAAAAAAAAKCGAQAAAAAAAAAAAAAAAAAMAAAAAQAAAAAAAAAAAAAAAAAAAB8AAABUAAAAIis1AP///wEAAAAAAAAAAAAAAAAAAAAAAAAAAAAAAAAAAAAAAAAAAOfm5gN/f38A5+bmA8zMzADAwP8Af39/AAAAAAAAAAAAAAAAAAAAAAAAAAAAIQAAABgAAAAUAAAAXRQAAJoCAADZNgAAlAYAABAAAAAmAAAACAAAAP//////////"/>
               </a:ext>
             </a:extLst>
           </p:cNvSpPr>
@@ -17838,8 +17558,8 @@
               </a:lnSpc>
               <a:defRPr lang="pt-br" cap="none">
                 <a:latin typeface="Arial" pitchFamily="2" charset="0"/>
-                <a:ea typeface="DejaVu Sans" pitchFamily="0" charset="0"/>
-                <a:cs typeface="DejaVu Sans" pitchFamily="0" charset="0"/>
+                <a:ea typeface="DejaVu Sans" charset="0"/>
+                <a:cs typeface="DejaVu Sans" charset="0"/>
               </a:defRPr>
             </a:pPr>
             <a:r>
@@ -17847,9 +17567,9 @@
                 <a:solidFill>
                   <a:srgbClr val="FFFFFF"/>
                 </a:solidFill>
-                <a:latin typeface="Montserrat" pitchFamily="0" charset="0"/>
-                <a:ea typeface="DejaVu Sans" pitchFamily="0" charset="0"/>
-                <a:cs typeface="DejaVu Sans" pitchFamily="0" charset="0"/>
+                <a:latin typeface="Montserrat" charset="0"/>
+                <a:ea typeface="DejaVu Sans" charset="0"/>
+                <a:cs typeface="DejaVu Sans" charset="0"/>
               </a:rPr>
               <a:t>Abstração</a:t>
             </a:r>
@@ -17863,7 +17583,7 @@
           <p:cNvSpPr>
             <a:extLst>
               <a:ext uri="smNativeData">
-                <pr:smNativeData xmlns:pr="smNativeData" xmlns="smNativeData" val="SMDATA_15_q5OGZBMAAAAlAAAAZAAAAE0AAAAAjgAAAEcAAACOAAAARwAAAAAAAAAAAAAAAAAAAAEAAABQAAAAAAAAAAAA4D8AAAAAAADgPwAAAAAAAOA/AAAAAAAA4D8AAAAAAADgPwAAAAAAAOA/AAAAAAAA4D8AAAAAAADgPwAAAAAAAOA/AAAAAAAA4D8CAAAAjAAAAAAAAAAAAAAARHLEDP///wgAAAAAAAAAAAAAAAAAAAAAAAAAAAAAAAAAAAAAZAAAAAEAAABAAAAAAAAAAAAAAAAAAAAAAAAAAAAAAAAAAAAAAAAAAAAAAAAAAAAAAAAAAAAAAAAAAAAAAAAAAAAAAAAAAAAAAAAAAAAAAAAAAAAAAAAAAAAAAAAAAAAAFAAAADwAAAAAAAAAAAAAAAAAAAkUAAAAAQAAABQAAAAUAAAAFAAAAAEAAAAAAAAAZAAAAGQAAAAAAAAAZAAAAGQAAAAVAAAAYAAAAAAAAAAAAAAADwAAACADAAAAAAAAAAAAAAEAAACgMgAAVgcAAKr4//8BAAAAf39/AAEAAABkAAAAAAAAABQAAABAHwAAAAAAACYAAAAAAAAAwOD//wAAAAAmAAAAZAAAABYAAABMAAAAAAAAAAAAAAAEAAAAAAAAAAEAAADn5uYKAAAAACgAAAAoAAAAZAAAAGQAAAAAAAAAzMzMAAAAAABQAAAAUAAAAGQAAABkAAAAAAAAABcAAAAUAAAAAAAAAAAAAAD/fwAA/38AAAAAAAAJAAAABAAAAAAAAAAeAAAAaAAAAAAAAAAAAAAAAAAAAAAAAAAAAAAAECcAABAnAAAAAAAAAAAAAAAAAAAAAAAAAAAAAAAAAAAAAAAAAAAAABQAAAAAAAAAwMD/AAAAAABkAAAAMgAAAAAAAABkAAAAAAAAAH9/fwAKAAAAIgAAABgAAAAAAAAAAAAAAAAAAAAAAAAAAAAAAAAAAAAkAAAAJAAAAAAAAAAHAAAAAAAAAAAAAAAAAAAAAAAAAAAAAAAAAAAAf39/ACUAAABYAAAAAAAAAAAAAAAAAAAAAAAAAAAAAAAAAAAAAAAAAAAAAAAAAAAAAAAAAAAAAAA/AAAAAAAAAKCGAQAAAAAAAAAAAAAAAAAMAAAAAQAAAAAAAAAAAAAAAAAAAB8AAABUAAAARHLEBf///wEAAAAAAAAAAAAAAAAAAAAAAAAAAAAAAAAAAAAAAAAAAAAAAAJ/f38A5+bmA8zMzADAwP8Af39/AAAAAAAAAAAAAAAAAAAAAAAAAAAAIQAAABgAAAAUAAAANwUAAHMMAADJIQAAgBoAABAgAAAmAAAACAAAAP//////////"/>
+                <pr:smNativeData xmlns="smNativeData" xmlns:pr="smNativeData" xmlns:p15="http://schemas.microsoft.com/office/powerpoint/2012/main" xmlns:p14="http://schemas.microsoft.com/office/powerpoint/2010/main" xmlns:mc="http://schemas.openxmlformats.org/markup-compatibility/2006" val="SMDATA_15_q5OGZBMAAAAlAAAAZAAAAE0AAAAAjgAAAEcAAACOAAAARwAAAAAAAAAAAAAAAAAAAAEAAABQAAAAAAAAAAAA4D8AAAAAAADgPwAAAAAAAOA/AAAAAAAA4D8AAAAAAADgPwAAAAAAAOA/AAAAAAAA4D8AAAAAAADgPwAAAAAAAOA/AAAAAAAA4D8CAAAAjAAAAAAAAAAAAAAARHLEDP///wgAAAAAAAAAAAAAAAAAAAAAAAAAAAAAAAAAAAAAZAAAAAEAAABAAAAAAAAAAAAAAAAAAAAAAAAAAAAAAAAAAAAAAAAAAAAAAAAAAAAAAAAAAAAAAAAAAAAAAAAAAAAAAAAAAAAAAAAAAAAAAAAAAAAAAAAAAAAAAAAAAAAAFAAAADwAAAAAAAAAAAAAAAAAAAkUAAAAAQAAABQAAAAUAAAAFAAAAAEAAAAAAAAAZAAAAGQAAAAAAAAAZAAAAGQAAAAVAAAAYAAAAAAAAAAAAAAADwAAACADAAAAAAAAAAAAAAEAAACgMgAAVgcAAKr4//8BAAAAf39/AAEAAABkAAAAAAAAABQAAABAHwAAAAAAACYAAAAAAAAAwOD//wAAAAAmAAAAZAAAABYAAABMAAAAAAAAAAAAAAAEAAAAAAAAAAEAAADn5uYKAAAAACgAAAAoAAAAZAAAAGQAAAAAAAAAzMzMAAAAAABQAAAAUAAAAGQAAABkAAAAAAAAABcAAAAUAAAAAAAAAAAAAAD/fwAA/38AAAAAAAAJAAAABAAAAAAAAAAeAAAAaAAAAAAAAAAAAAAAAAAAAAAAAAAAAAAAECcAABAnAAAAAAAAAAAAAAAAAAAAAAAAAAAAAAAAAAAAAAAAAAAAABQAAAAAAAAAwMD/AAAAAABkAAAAMgAAAAAAAABkAAAAAAAAAH9/fwAKAAAAIgAAABgAAAAAAAAAAAAAAAAAAAAAAAAAAAAAAAAAAAAkAAAAJAAAAAAAAAAHAAAAAAAAAAAAAAAAAAAAAAAAAAAAAAAAAAAAf39/ACUAAABYAAAAAAAAAAAAAAAAAAAAAAAAAAAAAAAAAAAAAAAAAAAAAAAAAAAAAAAAAAAAAAA/AAAAAAAAAKCGAQAAAAAAAAAAAAAAAAAMAAAAAQAAAAAAAAAAAAAAAAAAAB8AAABUAAAARHLEBf///wEAAAAAAAAAAAAAAAAAAAAAAAAAAAAAAAAAAAAAAAAAAAAAAAJ/f38A5+bmA8zMzADAwP8Af39/AAAAAAAAAAAAAAAAAAAAAAAAAAAAIQAAABgAAAAUAAAANwUAAHMMAADJIQAAgBoAABAgAAAmAAAACAAAAP//////////"/>
               </a:ext>
             </a:extLst>
           </p:cNvSpPr>
@@ -17893,8 +17613,8 @@
               </a:lnSpc>
               <a:defRPr lang="pt-br" cap="none">
                 <a:latin typeface="Arial" pitchFamily="2" charset="0"/>
-                <a:ea typeface="DejaVu Sans" pitchFamily="0" charset="0"/>
-                <a:cs typeface="DejaVu Sans" pitchFamily="0" charset="0"/>
+                <a:ea typeface="DejaVu Sans" charset="0"/>
+                <a:cs typeface="DejaVu Sans" charset="0"/>
               </a:defRPr>
             </a:pPr>
             <a:r>
@@ -17902,9 +17622,9 @@
                 <a:solidFill>
                   <a:srgbClr val="FFFFFF"/>
                 </a:solidFill>
-                <a:latin typeface="Source Serif Pro" pitchFamily="0" charset="0"/>
-                <a:ea typeface="DejaVu Sans" pitchFamily="0" charset="0"/>
-                <a:cs typeface="DejaVu Sans" pitchFamily="0" charset="0"/>
+                <a:latin typeface="Source Serif Pro" charset="0"/>
+                <a:ea typeface="DejaVu Sans" charset="0"/>
+                <a:cs typeface="DejaVu Sans" charset="0"/>
               </a:rPr>
               <a:t>Você saber usar o computador, mas você não necessita saber como cada código ou peça funciona.</a:t>
             </a:r>
@@ -17916,8 +17636,8 @@
               </a:lnSpc>
               <a:defRPr lang="pt-br" cap="none">
                 <a:latin typeface="Arial" pitchFamily="2" charset="0"/>
-                <a:ea typeface="DejaVu Sans" pitchFamily="0" charset="0"/>
-                <a:cs typeface="DejaVu Sans" pitchFamily="0" charset="0"/>
+                <a:ea typeface="DejaVu Sans" charset="0"/>
+                <a:cs typeface="DejaVu Sans" charset="0"/>
               </a:defRPr>
             </a:pPr>
             <a:r>
@@ -17925,9 +17645,9 @@
                 <a:solidFill>
                   <a:srgbClr val="FFFFFF"/>
                 </a:solidFill>
-                <a:latin typeface="Source Serif Pro" pitchFamily="0" charset="0"/>
-                <a:ea typeface="DejaVu Sans" pitchFamily="0" charset="0"/>
-                <a:cs typeface="DejaVu Sans" pitchFamily="0" charset="0"/>
+                <a:latin typeface="Source Serif Pro" charset="0"/>
+                <a:ea typeface="DejaVu Sans" charset="0"/>
+                <a:cs typeface="DejaVu Sans" charset="0"/>
               </a:rPr>
               <a:t>Sendo assim, podemos também dividir internamente problemas complexos em problemas menores, onde resolvemos cada um deles até encontrarmos a solução do problema inteiro. </a:t>
             </a:r>
@@ -17940,7 +17660,7 @@
           <p:cNvPicPr>
             <a:extLst>
               <a:ext uri="smNativeData">
-                <pr:smNativeData xmlns:pr="smNativeData" xmlns="smNativeData" val="SMDATA_17_q5OGZBMAAAAlAAAAEQAAAA0AAAAAkAAAAEgAAACQAAAASAAAAAAAAAAAAAAAAAAAAAEAAABQAAAAAAAAAAAA4D8AAAAAAADgPwAAAAAAAOA/AAAAAAAA4D8AAAAAAADgPwAAAAAAAOA/AAAAAAAA4D8AAAAAAADgPwAAAAAAAOA/AAAAAAAA4D8CAAAAjAAAAAAAAAAAAAAARHLEDP///wgAAAAAAAAAAAAAAAAAAAAAAAAAAAAAAAAAAAAAZAAAAAEAAABAAAAAAAAAAAAAAAAAAAAAAAAAAAAAAAAAAAAAAAAAAAAAAAAAAAAAAAAAAAAAAAAAAAAAAAAAAAAAAAAAAAAAAAAAAAAAAAAAAAAAAAAAAAAAAAAAAAAAFAAAADwAAAAAAAAAAAAAAAAAAAkUAAAAAQAAABQAAAAUAAAAFAAAAAEAAAAAAAAAZAAAAGQAAAAAAAAAZAAAAGQAAAAVAAAAYAAAAAAAAAAAAAAADwAAACADAAAAAAAAAAAAAAEAAACgMgAAVgcAAKr4//8BAAAAf39/AAEAAABkAAAAAAAAABQAAABAHwAAAAAAACYAAAAAAAAAwOD//wAAAAAmAAAAZAAAABYAAABMAAAAAAAAAAAAAAAEAAAAAAAAAAEAAADn5uYKAAAAACgAAAAoAAAAZAAAAGQAAAAAAAAAzMzMAAAAAABQAAAAUAAAAGQAAABkAAAAAAAAAAcAAAA4AAAAAAAAAAAAAAAAAAAA////AAAAAAAAAAAATAYAAAAAAADIBwAACwAAAAAAAABkAAAAZAAAAAAAAAAjAAAABAAAAGQAAAAXAAAAFAAAAAAAAAAAAAAA/38AAP9/AAAAAAAACQAAAAQAAADQSjkCHgAAAGgAAAAAAAAAAAAAAAAAAAAAAAAAAAAAABAnAAAQJwAAAAAAAAAAAAAAAAAAAAAAAAAAAAAAAAAAAAAAAAAAAAAUAAAAAAAAAMDA/wAAAAAAZAAAADIAAAAAAAAAZAAAAAAAAAB/f38ACgAAACIAAAAYAAAAAAAAAAAAAAAAAAAAAAAAAAAAAAAAAAAAJAAAACQAAAAAAAAABwAAAAAAAAAAAAAAAAAAAAAAAAAAAAAAAAAAAH9/fwAlAAAAWAAAAAAAAAAAAAAAAAAAAAAAAAAAAAAAAAAAAAAAAAAAAAAAAAAAAAAAAAAAAAAAPwAAAAAAAACghgEAAAAAAAAAAAAAAAAADAAAAAEAAAAAAAAAAAAAAAAAAAAfAAAAVAAAAERyxAX///8BAAAAAAAAAAAAAAAAAAAAAAAAAAAAAAAAAAAAAAAAAAAAAAACf39/AOfm5gPMzMwAwMD/AH9/fwAAAAAAAAAAAAAAAAD///8AAAAAACEAAAAYAAAAFAAAANMtAABRCgAAf0MAAC8gAAAQAAAAJgAAAAgAAAD//////////w=="/>
+                <pr:smNativeData xmlns="smNativeData" xmlns:pr="smNativeData" xmlns:p15="http://schemas.microsoft.com/office/powerpoint/2012/main" xmlns:p14="http://schemas.microsoft.com/office/powerpoint/2010/main" xmlns:mc="http://schemas.openxmlformats.org/markup-compatibility/2006" val="SMDATA_17_q5OGZBMAAAAlAAAAEQAAAA0AAAAAkAAAAEgAAACQAAAASAAAAAAAAAAAAAAAAAAAAAEAAABQAAAAAAAAAAAA4D8AAAAAAADgPwAAAAAAAOA/AAAAAAAA4D8AAAAAAADgPwAAAAAAAOA/AAAAAAAA4D8AAAAAAADgPwAAAAAAAOA/AAAAAAAA4D8CAAAAjAAAAAAAAAAAAAAARHLEDP///wgAAAAAAAAAAAAAAAAAAAAAAAAAAAAAAAAAAAAAZAAAAAEAAABAAAAAAAAAAAAAAAAAAAAAAAAAAAAAAAAAAAAAAAAAAAAAAAAAAAAAAAAAAAAAAAAAAAAAAAAAAAAAAAAAAAAAAAAAAAAAAAAAAAAAAAAAAAAAAAAAAAAAFAAAADwAAAAAAAAAAAAAAAAAAAkUAAAAAQAAABQAAAAUAAAAFAAAAAEAAAAAAAAAZAAAAGQAAAAAAAAAZAAAAGQAAAAVAAAAYAAAAAAAAAAAAAAADwAAACADAAAAAAAAAAAAAAEAAACgMgAAVgcAAKr4//8BAAAAf39/AAEAAABkAAAAAAAAABQAAABAHwAAAAAAACYAAAAAAAAAwOD//wAAAAAmAAAAZAAAABYAAABMAAAAAAAAAAAAAAAEAAAAAAAAAAEAAADn5uYKAAAAACgAAAAoAAAAZAAAAGQAAAAAAAAAzMzMAAAAAABQAAAAUAAAAGQAAABkAAAAAAAAAAcAAAA4AAAAAAAAAAAAAAAAAAAA////AAAAAAAAAAAATAYAAAAAAADIBwAACwAAAAAAAABkAAAAZAAAAAAAAAAjAAAABAAAAGQAAAAXAAAAFAAAAAAAAAAAAAAA/38AAP9/AAAAAAAACQAAAAQAAADQSjkCHgAAAGgAAAAAAAAAAAAAAAAAAAAAAAAAAAAAABAnAAAQJwAAAAAAAAAAAAAAAAAAAAAAAAAAAAAAAAAAAAAAAAAAAAAUAAAAAAAAAMDA/wAAAAAAZAAAADIAAAAAAAAAZAAAAAAAAAB/f38ACgAAACIAAAAYAAAAAAAAAAAAAAAAAAAAAAAAAAAAAAAAAAAAJAAAACQAAAAAAAAABwAAAAAAAAAAAAAAAAAAAAAAAAAAAAAAAAAAAH9/fwAlAAAAWAAAAAAAAAAAAAAAAAAAAAAAAAAAAAAAAAAAAAAAAAAAAAAAAAAAAAAAAAAAAAAAPwAAAAAAAACghgEAAAAAAAAAAAAAAAAADAAAAAEAAAAAAAAAAAAAAAAAAAAfAAAAVAAAAERyxAX///8BAAAAAAAAAAAAAAAAAAAAAAAAAAAAAAAAAAAAAAAAAAAAAAACf39/AOfm5gPMzMwAwMD/AH9/fwAAAAAAAAAAAAAAAAD///8AAAAAACEAAAAYAAAAFAAAANMtAABRCgAAf0MAAC8gAAAQAAAAJgAAAAgAAAD//////////w=="/>
               </a:ext>
             </a:extLst>
           </p:cNvPicPr>
@@ -17948,7 +17668,7 @@
         </p:nvPicPr>
         <p:blipFill>
           <a:blip r:embed="rId2"/>
-          <a:srcRect l="16120" t="0" r="19920" b="110"/>
+          <a:srcRect l="16120" r="19920" b="110"/>
           <a:stretch>
             <a:fillRect/>
           </a:stretch>
@@ -17973,18 +17693,11 @@
   <p:clrMapOvr>
     <a:masterClrMapping/>
   </p:clrMapOvr>
-  <p:timing>
-    <p:tnLst>
-      <p:par>
-        <p:cTn id="1" dur="indefinite" restart="never" nodeType="tmRoot"/>
-      </p:par>
-    </p:tnLst>
-  </p:timing>
 </p:sld>
 </file>
 
 <file path=ppt/slides/slide9.xml><?xml version="1.0" encoding="utf-8"?>
-<p:sld xmlns:p="http://schemas.openxmlformats.org/presentationml/2006/main" xmlns:mc="http://schemas.openxmlformats.org/markup-compatibility/2006" xmlns:p14="http://schemas.microsoft.com/office/powerpoint/2010/main" xmlns:p15="http://schemas.microsoft.com/office/powerpoint/2012/main" xmlns:r="http://schemas.openxmlformats.org/officeDocument/2006/relationships" xmlns:a="http://schemas.openxmlformats.org/drawingml/2006/main" mc:Ignorable="p14">
+<p:sld xmlns:a="http://schemas.openxmlformats.org/drawingml/2006/main" xmlns:r="http://schemas.openxmlformats.org/officeDocument/2006/relationships" xmlns:p="http://schemas.openxmlformats.org/presentationml/2006/main">
   <p:cSld>
     <p:bg>
       <p:bgPr>
@@ -18014,7 +17727,7 @@
           <p:cNvSpPr>
             <a:extLst>
               <a:ext uri="smNativeData">
-                <pr:smNativeData xmlns:pr="smNativeData" xmlns="smNativeData" val="SMDATA_15_q5OGZBMAAAAlAAAAqgAAAA0AAAAAkAAAAEgAAACQAAAASAAAAAAAAAAAAAAAAAAAAAEAAABQAAAAda9fBcX/xz8AAAAAAADgPwAAAAAAAOA/AAAAAAAA4D8AAAAAAADgPwAAAAAAAOA/AAAAAAAA4D8AAAAAAADgPwAAAAAAAOA/AAAAAAAA4D8CAAAAjAAAAAEAAAAAAAAANEBQAP///wgAAAAAAAAAAAAAAAAAAAAAAAAAAAAAAAAAAAAAZAAAAAEAAABAAAAAAAAAAAAAAAAAAAAAAAAAAAAAAAAAAAAAAAAAAAAAAAAAAAAAAAAAAAAAAAAAAAAAAAAAAAAAAAAAAAAAAAAAAAAAAAAAAAAAAAAAAAAAAAAAAAAAFAAAADwAAAABAAAAAAAAAP///wgoAAAAAQAAABQAAAAUAAAAFAAAAAEAAAAAAAAAZAAAAGQAAAAAAAAAZAAAAGQAAAAVAAAAYAAAAAAAAAAAAAAADwAAACADAAAAAAAAAAAAAAEAAACgMgAAVgcAAKr4//8BAAAAf39/AAEAAABkAAAAAAAAABQAAABAHwAAAAAAACYAAAAAAAAAwOD//wAAAAAmAAAAZAAAABYAAABMAAAAAAAAAAAAAAAEAAAAAAAAAAEAAADn5uYKAAAAACgAAAAoAAAAZAAAAGQAAAAAAAAAzMzMAAAAAABQAAAAUAAAAGQAAABkAAAAAAAAABcAAAAUAAAAAAAAAAAAAAD/fwAA/38AAAAAAAAJAAAABAAAAAAAAAAeAAAAaAAAAAAAAAAAAAAAAAAAAAAAAAAAAAAAECcAABAnAAAAAAAAAAAAAAAAAAAAAAAAAAAAAAAAAAAAAAAAAAAAABQAAAAAAAAAwMD/AAAAAABkAAAAMgAAAAAAAABkAAAAAAAAAH9/fwAKAAAAIgAAABgAAAAAAAAAAAAAAAAAAAAAAAAAAAAAAAAAAAAkAAAAJAAAAAAAAAAHAAAAAAAAAAAAAAAAAAAAAAAAAAAAAAAAAAAAf39/ACUAAABYAAAAAAAAAAAAAAAAAAAAAAAAAAAAAAAAAAAAAAAAAAAAAAAAAAAAAAAAAAAAAAA/AAAAAAAAAKCGAQAAAAAAAAAAAAAAAAAMAAAAAQAAAAAAAAAAAAAAAAAAAB8AAABUAAAANEBQAP///wEAAAAAAAAAAAAAAAAAAAAAAAAAAAAAAAAAAAAAAAAAAP///wF/f38A5+bmA8zMzADAwP8Af39/AAAAAAAAAAAAAAAAAAAAAAAAAAAAIQAAABgAAAAUAAAAAAAAAAAAAAD/SgAALyoAABAAAAAmAAAACAAAAP//////////"/>
+                <pr:smNativeData xmlns="smNativeData" xmlns:pr="smNativeData" xmlns:p15="http://schemas.microsoft.com/office/powerpoint/2012/main" xmlns:p14="http://schemas.microsoft.com/office/powerpoint/2010/main" xmlns:mc="http://schemas.openxmlformats.org/markup-compatibility/2006" val="SMDATA_15_q5OGZBMAAAAlAAAAqgAAAA0AAAAAkAAAAEgAAACQAAAASAAAAAAAAAAAAAAAAAAAAAEAAABQAAAAda9fBcX/xz8AAAAAAADgPwAAAAAAAOA/AAAAAAAA4D8AAAAAAADgPwAAAAAAAOA/AAAAAAAA4D8AAAAAAADgPwAAAAAAAOA/AAAAAAAA4D8CAAAAjAAAAAEAAAAAAAAANEBQAP///wgAAAAAAAAAAAAAAAAAAAAAAAAAAAAAAAAAAAAAZAAAAAEAAABAAAAAAAAAAAAAAAAAAAAAAAAAAAAAAAAAAAAAAAAAAAAAAAAAAAAAAAAAAAAAAAAAAAAAAAAAAAAAAAAAAAAAAAAAAAAAAAAAAAAAAAAAAAAAAAAAAAAAFAAAADwAAAABAAAAAAAAAP///wgoAAAAAQAAABQAAAAUAAAAFAAAAAEAAAAAAAAAZAAAAGQAAAAAAAAAZAAAAGQAAAAVAAAAYAAAAAAAAAAAAAAADwAAACADAAAAAAAAAAAAAAEAAACgMgAAVgcAAKr4//8BAAAAf39/AAEAAABkAAAAAAAAABQAAABAHwAAAAAAACYAAAAAAAAAwOD//wAAAAAmAAAAZAAAABYAAABMAAAAAAAAAAAAAAAEAAAAAAAAAAEAAADn5uYKAAAAACgAAAAoAAAAZAAAAGQAAAAAAAAAzMzMAAAAAABQAAAAUAAAAGQAAABkAAAAAAAAABcAAAAUAAAAAAAAAAAAAAD/fwAA/38AAAAAAAAJAAAABAAAAAAAAAAeAAAAaAAAAAAAAAAAAAAAAAAAAAAAAAAAAAAAECcAABAnAAAAAAAAAAAAAAAAAAAAAAAAAAAAAAAAAAAAAAAAAAAAABQAAAAAAAAAwMD/AAAAAABkAAAAMgAAAAAAAABkAAAAAAAAAH9/fwAKAAAAIgAAABgAAAAAAAAAAAAAAAAAAAAAAAAAAAAAAAAAAAAkAAAAJAAAAAAAAAAHAAAAAAAAAAAAAAAAAAAAAAAAAAAAAAAAAAAAf39/ACUAAABYAAAAAAAAAAAAAAAAAAAAAAAAAAAAAAAAAAAAAAAAAAAAAAAAAAAAAAAAAAAAAAA/AAAAAAAAAKCGAQAAAAAAAAAAAAAAAAAMAAAAAQAAAAAAAAAAAAAAAAAAAB8AAABUAAAANEBQAP///wEAAAAAAAAAAAAAAAAAAAAAAAAAAAAAAAAAAAAAAAAAAP///wF/f38A5+bmA8zMzADAwP8Af39/AAAAAAAAAAAAAAAAAAAAAAAAAAAAIQAAABgAAAAUAAAAAAAAAAAAAAD/SgAALyoAABAAAAAmAAAACAAAAP//////////"/>
               </a:ext>
             </a:extLst>
           </p:cNvSpPr>
@@ -18050,7 +17763,7 @@
           <p:cNvSpPr>
             <a:extLst>
               <a:ext uri="smNativeData">
-                <pr:smNativeData xmlns:pr="smNativeData" xmlns="smNativeData" val="SMDATA_15_q5OGZBMAAAAlAAAAZAAAAA0AAAAAjgAAAEcAAACOAAAARwAAAAAAAAABAAAAAAAAAAEAAABQAAAAAAAAAAAA4D8AAAAAAADgPwAAAAAAAOA/AAAAAAAA4D8AAAAAAADgPwAAAAAAAOA/AAAAAAAA4D8AAAAAAADgPwAAAAAAAOA/AAAAAAAA4D8CAAAAjAAAAAEAAAAAAAAAIis1AP///wgAAAAAAAAAAAAAAAAAAAAAAAAAAAAAAAAAAAAAZAAAAAEAAABAAAAAAAAAAAAAAAAAAAAAAAAAAAAAAAAAAAAAAAAAAAAAAAAAAAAAAAAAAAAAAAAAAAAAAAAAAAAAAAAAAAAAAAAAAAAAAAAAAAAAAAAAAAAAAAAAAAAAFAAAADwAAAABAAAAAAAAAOfm5gooAAAAAQAAABQAAAAUAAAAFAAAAAEAAAAAAAAAZAAAAGQAAAAAAAAAZAAAAGQAAAAVAAAAYAAAAAAAAAAAAAAADwAAACADAAAAAAAAAAAAAAEAAACgMgAAVgcAAKr4//8BAAAAf39/AAEAAABkAAAAAAAAABQAAABAHwAAAAAAACYAAAAAAAAAwOD//wAAAAAmAAAAZAAAABYAAABMAAAAAAAAAAAAAAAEAAAAAAAAAAEAAADn5uYKAAAAACgAAAAoAAAAZAAAAGQAAAAAAAAAzMzMAAAAAABQAAAAUAAAAGQAAABkAAAAAAAAABcAAAAUAAAAAAAAAAAAAAD/fwAA/38AAAAAAAAJAAAABAAAAAAAAAAeAAAAaAAAAAAAAAAAAAAAAAAAAAAAAAAAAAAAECcAABAnAAAAAAAAAAAAAAAAAAAAAAAAAAAAAAAAAAAAAAAAAAAAABQAAAAAAAAAwMD/AAAAAABkAAAAMgAAAAAAAABkAAAAAAAAAH9/fwAKAAAAIgAAABgAAAAAAAAAAAAAAAAAAAAAAAAAAAAAAAAAAAAkAAAAJAAAAAAAAAAHAAAAAAAAAAAAAAAAAAAAAAAAAAAAAAAAAAAAf39/ACUAAABYAAAAAAAAAAAAAAAAAAAAAAAAAAAAAAAAAAAAAAAAAAAAAAAAAAAAAAAAAAAAAAA/AAAAAAAAAKCGAQAAAAAAAAAAAAAAAAAMAAAAAQAAAAAAAAAAAAAAAAAAAB8AAABUAAAAIis1AP///wEAAAAAAAAAAAAAAAAAAAAAAAAAAAAAAAAAAAAAAAAAAOfm5gN/f38A5+bmA8zMzADAwP8Af39/AAAAAAAAAAAAAAAAAAAAAAAAAAAAIQAAABgAAAAUAAAAXRQAAJoCAADZNgAAlAYAABAAAAAmAAAACAAAAP//////////"/>
+                <pr:smNativeData xmlns="smNativeData" xmlns:pr="smNativeData" xmlns:p15="http://schemas.microsoft.com/office/powerpoint/2012/main" xmlns:p14="http://schemas.microsoft.com/office/powerpoint/2010/main" xmlns:mc="http://schemas.openxmlformats.org/markup-compatibility/2006" val="SMDATA_15_q5OGZBMAAAAlAAAAZAAAAA0AAAAAjgAAAEcAAACOAAAARwAAAAAAAAABAAAAAAAAAAEAAABQAAAAAAAAAAAA4D8AAAAAAADgPwAAAAAAAOA/AAAAAAAA4D8AAAAAAADgPwAAAAAAAOA/AAAAAAAA4D8AAAAAAADgPwAAAAAAAOA/AAAAAAAA4D8CAAAAjAAAAAEAAAAAAAAAIis1AP///wgAAAAAAAAAAAAAAAAAAAAAAAAAAAAAAAAAAAAAZAAAAAEAAABAAAAAAAAAAAAAAAAAAAAAAAAAAAAAAAAAAAAAAAAAAAAAAAAAAAAAAAAAAAAAAAAAAAAAAAAAAAAAAAAAAAAAAAAAAAAAAAAAAAAAAAAAAAAAAAAAAAAAFAAAADwAAAABAAAAAAAAAOfm5gooAAAAAQAAABQAAAAUAAAAFAAAAAEAAAAAAAAAZAAAAGQAAAAAAAAAZAAAAGQAAAAVAAAAYAAAAAAAAAAAAAAADwAAACADAAAAAAAAAAAAAAEAAACgMgAAVgcAAKr4//8BAAAAf39/AAEAAABkAAAAAAAAABQAAABAHwAAAAAAACYAAAAAAAAAwOD//wAAAAAmAAAAZAAAABYAAABMAAAAAAAAAAAAAAAEAAAAAAAAAAEAAADn5uYKAAAAACgAAAAoAAAAZAAAAGQAAAAAAAAAzMzMAAAAAABQAAAAUAAAAGQAAABkAAAAAAAAABcAAAAUAAAAAAAAAAAAAAD/fwAA/38AAAAAAAAJAAAABAAAAAAAAAAeAAAAaAAAAAAAAAAAAAAAAAAAAAAAAAAAAAAAECcAABAnAAAAAAAAAAAAAAAAAAAAAAAAAAAAAAAAAAAAAAAAAAAAABQAAAAAAAAAwMD/AAAAAABkAAAAMgAAAAAAAABkAAAAAAAAAH9/fwAKAAAAIgAAABgAAAAAAAAAAAAAAAAAAAAAAAAAAAAAAAAAAAAkAAAAJAAAAAAAAAAHAAAAAAAAAAAAAAAAAAAAAAAAAAAAAAAAAAAAf39/ACUAAABYAAAAAAAAAAAAAAAAAAAAAAAAAAAAAAAAAAAAAAAAAAAAAAAAAAAAAAAAAAAAAAA/AAAAAAAAAKCGAQAAAAAAAAAAAAAAAAAMAAAAAQAAAAAAAAAAAAAAAAAAAB8AAABUAAAAIis1AP///wEAAAAAAAAAAAAAAAAAAAAAAAAAAAAAAAAAAAAAAAAAAOfm5gN/f38A5+bmA8zMzADAwP8Af39/AAAAAAAAAAAAAAAAAAAAAAAAAAAAIQAAABgAAAAUAAAAXRQAAJoCAADZNgAAlAYAABAAAAAmAAAACAAAAP//////////"/>
               </a:ext>
             </a:extLst>
           </p:cNvSpPr>
@@ -18087,8 +17800,8 @@
               </a:lnSpc>
               <a:defRPr lang="pt-br" cap="none">
                 <a:latin typeface="Arial" pitchFamily="2" charset="0"/>
-                <a:ea typeface="DejaVu Sans" pitchFamily="0" charset="0"/>
-                <a:cs typeface="DejaVu Sans" pitchFamily="0" charset="0"/>
+                <a:ea typeface="DejaVu Sans" charset="0"/>
+                <a:cs typeface="DejaVu Sans" charset="0"/>
               </a:defRPr>
             </a:pPr>
             <a:r>
@@ -18096,9 +17809,9 @@
                 <a:solidFill>
                   <a:srgbClr val="FFFFFF"/>
                 </a:solidFill>
-                <a:latin typeface="Montserrat" pitchFamily="0" charset="0"/>
-                <a:ea typeface="DejaVu Sans" pitchFamily="0" charset="0"/>
-                <a:cs typeface="DejaVu Sans" pitchFamily="0" charset="0"/>
+                <a:latin typeface="Montserrat" charset="0"/>
+                <a:ea typeface="DejaVu Sans" charset="0"/>
+                <a:cs typeface="DejaVu Sans" charset="0"/>
               </a:rPr>
               <a:t>Encapsulamento</a:t>
             </a:r>
@@ -18112,7 +17825,7 @@
           <p:cNvSpPr>
             <a:extLst>
               <a:ext uri="smNativeData">
-                <pr:smNativeData xmlns:pr="smNativeData" xmlns="smNativeData" val="SMDATA_15_q5OGZBMAAAAlAAAAZAAAAE0AAAAAjgAAAEcAAACOAAAARwAAAAAAAAAAAAAAAAAAAAEAAABQAAAAAAAAAAAA4D8AAAAAAADgPwAAAAAAAOA/AAAAAAAA4D8AAAAAAADgPwAAAAAAAOA/AAAAAAAA4D8AAAAAAADgPwAAAAAAAOA/AAAAAAAA4D8CAAAAjAAAAAAAAAAAAAAARHLEDP///wgAAAAAAAAAAAAAAAAAAAAAAAAAAAAAAAAAAAAAZAAAAAEAAABAAAAAAAAAAAAAAAAAAAAAAAAAAAAAAAAAAAAAAAAAAAAAAAAAAAAAAAAAAAAAAAAAAAAAAAAAAAAAAAAAAAAAAAAAAAAAAAAAAAAAAAAAAAAAAAAAAAAAFAAAADwAAAAAAAAAAAAAAAAAAAkUAAAAAQAAABQAAAAUAAAAFAAAAAEAAAAAAAAAZAAAAGQAAAAAAAAAZAAAAGQAAAAVAAAAYAAAAAAAAAAAAAAADwAAACADAAAAAAAAAAAAAAEAAACgMgAAVgcAAKr4//8BAAAAf39/AAEAAABkAAAAAAAAABQAAABAHwAAAAAAACYAAAAAAAAAwOD//wAAAAAmAAAAZAAAABYAAABMAAAAAAAAAAAAAAAEAAAAAAAAAAEAAADn5uYKAAAAACgAAAAoAAAAZAAAAGQAAAAAAAAAzMzMAAAAAABQAAAAUAAAAGQAAABkAAAAAAAAABcAAAAUAAAAAAAAAAAAAAD/fwAA/38AAAAAAAAJAAAABAAAAK/0bHIeAAAAaAAAAAAAAAAAAAAAAAAAAAAAAAAAAAAAECcAABAnAAAAAAAAAAAAAAAAAAAAAAAAAAAAAAAAAAAAAAAAAAAAABQAAAAAAAAAwMD/AAAAAABkAAAAMgAAAAAAAABkAAAAAAAAAH9/fwAKAAAAIgAAABgAAAAAAAAAAAAAAAAAAAAAAAAAAAAAAAAAAAAkAAAAJAAAAAAAAAAHAAAAAAAAAAAAAAAAAAAAAAAAAAAAAAAAAAAAf39/ACUAAABYAAAAAAAAAAAAAAAAAAAAAAAAAAAAAAAAAAAAAAAAAAAAAAAAAAAAAAAAAAAAAAA/AAAAAAAAAKCGAQAAAAAAAAAAAAAAAAAMAAAAAQAAAAAAAAAAAAAAAAAAAB8AAABUAAAARHLEBf///wEAAAAAAAAAAAAAAAAAAAAAAAAAAAAAAAAAAAAAAAAAAAAAAAJ/f38A5+bmA8zMzADAwP8Af39/AAAAAAAAAAAAAAAAAAAAAAAAAAAAIQAAABgAAAAUAAAAYwUAAFEKAAD0IQAAQCMAABAgAAAmAAAACAAAAP//////////"/>
+                <pr:smNativeData xmlns="smNativeData" xmlns:pr="smNativeData" xmlns:p15="http://schemas.microsoft.com/office/powerpoint/2012/main" xmlns:p14="http://schemas.microsoft.com/office/powerpoint/2010/main" xmlns:mc="http://schemas.openxmlformats.org/markup-compatibility/2006" val="SMDATA_15_q5OGZBMAAAAlAAAAZAAAAE0AAAAAjgAAAEcAAACOAAAARwAAAAAAAAAAAAAAAAAAAAEAAABQAAAAAAAAAAAA4D8AAAAAAADgPwAAAAAAAOA/AAAAAAAA4D8AAAAAAADgPwAAAAAAAOA/AAAAAAAA4D8AAAAAAADgPwAAAAAAAOA/AAAAAAAA4D8CAAAAjAAAAAAAAAAAAAAARHLEDP///wgAAAAAAAAAAAAAAAAAAAAAAAAAAAAAAAAAAAAAZAAAAAEAAABAAAAAAAAAAAAAAAAAAAAAAAAAAAAAAAAAAAAAAAAAAAAAAAAAAAAAAAAAAAAAAAAAAAAAAAAAAAAAAAAAAAAAAAAAAAAAAAAAAAAAAAAAAAAAAAAAAAAAFAAAADwAAAAAAAAAAAAAAAAAAAkUAAAAAQAAABQAAAAUAAAAFAAAAAEAAAAAAAAAZAAAAGQAAAAAAAAAZAAAAGQAAAAVAAAAYAAAAAAAAAAAAAAADwAAACADAAAAAAAAAAAAAAEAAACgMgAAVgcAAKr4//8BAAAAf39/AAEAAABkAAAAAAAAABQAAABAHwAAAAAAACYAAAAAAAAAwOD//wAAAAAmAAAAZAAAABYAAABMAAAAAAAAAAAAAAAEAAAAAAAAAAEAAADn5uYKAAAAACgAAAAoAAAAZAAAAGQAAAAAAAAAzMzMAAAAAABQAAAAUAAAAGQAAABkAAAAAAAAABcAAAAUAAAAAAAAAAAAAAD/fwAA/38AAAAAAAAJAAAABAAAAK/0bHIeAAAAaAAAAAAAAAAAAAAAAAAAAAAAAAAAAAAAECcAABAnAAAAAAAAAAAAAAAAAAAAAAAAAAAAAAAAAAAAAAAAAAAAABQAAAAAAAAAwMD/AAAAAABkAAAAMgAAAAAAAABkAAAAAAAAAH9/fwAKAAAAIgAAABgAAAAAAAAAAAAAAAAAAAAAAAAAAAAAAAAAAAAkAAAAJAAAAAAAAAAHAAAAAAAAAAAAAAAAAAAAAAAAAAAAAAAAAAAAf39/ACUAAABYAAAAAAAAAAAAAAAAAAAAAAAAAAAAAAAAAAAAAAAAAAAAAAAAAAAAAAAAAAAAAAA/AAAAAAAAAKCGAQAAAAAAAAAAAAAAAAAMAAAAAQAAAAAAAAAAAAAAAAAAAB8AAABUAAAARHLEBf///wEAAAAAAAAAAAAAAAAAAAAAAAAAAAAAAAAAAAAAAAAAAAAAAAJ/f38A5+bmA8zMzADAwP8Af39/AAAAAAAAAAAAAAAAAAAAAAAAAAAAIQAAABgAAAAUAAAAYwUAAFEKAAD0IQAAQCMAABAgAAAmAAAACAAAAP//////////"/>
               </a:ext>
             </a:extLst>
           </p:cNvSpPr>
@@ -18142,8 +17855,8 @@
               </a:lnSpc>
               <a:defRPr lang="pt-br" cap="none">
                 <a:latin typeface="Arial" pitchFamily="2" charset="0"/>
-                <a:ea typeface="DejaVu Sans" pitchFamily="0" charset="0"/>
-                <a:cs typeface="DejaVu Sans" pitchFamily="0" charset="0"/>
+                <a:ea typeface="DejaVu Sans" charset="0"/>
+                <a:cs typeface="DejaVu Sans" charset="0"/>
               </a:defRPr>
             </a:pPr>
             <a:r>
@@ -18151,9 +17864,9 @@
                 <a:solidFill>
                   <a:srgbClr val="FFFFFF"/>
                 </a:solidFill>
-                <a:latin typeface="Google Sans" pitchFamily="0" charset="0"/>
-                <a:ea typeface="DejaVu Sans" pitchFamily="0" charset="0"/>
-                <a:cs typeface="DejaVu Sans" pitchFamily="0" charset="0"/>
+                <a:latin typeface="Google Sans" charset="0"/>
+                <a:ea typeface="DejaVu Sans" charset="0"/>
+                <a:cs typeface="DejaVu Sans" charset="0"/>
               </a:rPr>
               <a:t>Encapsulamento é um princípio de design de código, geralmente ligado a programação orientada, que nos orienta a esconder as funcionalidades e funcionamento do nosso código dentro de pequenas unidades (normalmente métodos e funções)</a:t>
             </a:r>
@@ -18166,8 +17879,8 @@
               </a:lnSpc>
               <a:defRPr lang="pt-br" cap="none">
                 <a:latin typeface="Arial" pitchFamily="2" charset="0"/>
-                <a:ea typeface="DejaVu Sans" pitchFamily="0" charset="0"/>
-                <a:cs typeface="DejaVu Sans" pitchFamily="0" charset="0"/>
+                <a:ea typeface="DejaVu Sans" charset="0"/>
+                <a:cs typeface="DejaVu Sans" charset="0"/>
               </a:defRPr>
             </a:pPr>
             <a:r>
@@ -18175,9 +17888,9 @@
                 <a:solidFill>
                   <a:srgbClr val="FFFFFF"/>
                 </a:solidFill>
-                <a:latin typeface="Google Sans" pitchFamily="0" charset="0"/>
-                <a:ea typeface="DejaVu Sans" pitchFamily="0" charset="0"/>
-                <a:cs typeface="DejaVu Sans" pitchFamily="0" charset="0"/>
+                <a:latin typeface="Google Sans" charset="0"/>
+                <a:ea typeface="DejaVu Sans" charset="0"/>
+                <a:cs typeface="DejaVu Sans" charset="0"/>
               </a:rPr>
               <a:t>A ideai é tornar o software mais flexível, fácil de modificar e de criar novas implementações. O Encapsulamento serve para controlar o acesso aos atributos e métodos de uma classe.</a:t>
             </a:r>
@@ -18191,7 +17904,7 @@
           <p:cNvPicPr>
             <a:extLst>
               <a:ext uri="smNativeData">
-                <pr:smNativeData xmlns:pr="smNativeData" xmlns="smNativeData" val="SMDATA_17_q5OGZBMAAAAlAAAAEQAAAA0AAAAAkAAAAEgAAACQAAAASAAAAAAAAAAAAAAAAAAAAAEAAABQAAAAAAAAAAAA4D8AAAAAAADgPwAAAAAAAOA/AAAAAAAA4D8AAAAAAADgPwAAAAAAAOA/AAAAAAAA4D8AAAAAAADgPwAAAAAAAOA/AAAAAAAA4D8CAAAAjAAAAAAAAAAAAAAARHLEDP///wgAAAAAAAAAAAAAAAAAAAAAAAAAAAAAAAAAAAAAZAAAAAEAAABAAAAAAAAAAAAAAAAAAAAAAAAAAAAAAAAAAAAAAAAAAAAAAAAAAAAAAAAAAAAAAAAAAAAAAAAAAAAAAAAAAAAAAAAAAAAAAAAAAAAAAAAAAAAAAAAAAAAAFAAAADwAAAAAAAAAAAAAAAAAAAkUAAAAAQAAABQAAAAUAAAAFAAAAAEAAAAAAAAAZAAAAGQAAAAAAAAAZAAAAGQAAAAVAAAAYAAAAAAAAAAAAAAADwAAACADAAAAAAAAAAAAAAEAAACgMgAAVgcAAKr4//8BAAAAf39/AAEAAABkAAAAAAAAABQAAABAHwAAAAAAACYAAAAAAAAAwOD//wAAAAAmAAAAZAAAABYAAABMAAAAAAAAAAAAAAAEAAAAAAAAAAEAAADn5uYKAAAAACgAAAAoAAAAZAAAAGQAAAAAAAAAzMzMAAAAAABQAAAAUAAAAGQAAABkAAAAAAAAAAcAAAA4AAAAAAAAAAAAAAAAAAAA////AAAAAAAAAAAAAAAAAAAAAAAAAAAAAAAAAAAAAABkAAAAZAAAAAAAAAAjAAAABAAAAGQAAAAXAAAAFAAAAAAAAAAAAAAA/38AAP9/AAAAAAAACQAAAAQAAAAJAAAAHgAAAGgAAAAAAAAAAAAAAAAAAAAAAAAAAAAAABAnAAAQJwAAAAAAAAAAAAAAAAAAAAAAAAAAAAAAAAAAAAAAAAAAAAAUAAAAAAAAAMDA/wAAAAAAZAAAADIAAAAAAAAAZAAAAAAAAAB/f38ACgAAACIAAAAYAAAAAAAAAAAAAAAAAAAAAAAAAAAAAAAAAAAAJAAAACQAAAAAAAAABwAAAAAAAAAAAAAAAAAAAAAAAAAAAAAAAAAAAH9/fwAlAAAAWAAAAAAAAAAAAAAAAAAAAAAAAAAAAAAAAAAAAAAAAAAAAAAAAAAAAAAAAAAAAAAAPwAAAAAAAACghgEAAAAAAAAAAAAAAAAADAAAAAEAAAAAAAAAAAAAAAAAAAAfAAAAVAAAAERyxAX///8BAAAAAAAAAAAAAAAAAAAAAAAAAAAAAAAAAAAAAAAAAAAAAAACf39/AOfm5gPMzMwAwMD/AH9/fwAAAAAAAAAAAAAAAAD///8AAAAAACEAAAAYAAAAFAAAAJwmAABRCgAA6EUAAOsbAAAQAAAAJgAAAAgAAAD//////////w=="/>
+                <pr:smNativeData xmlns="smNativeData" xmlns:pr="smNativeData" xmlns:p15="http://schemas.microsoft.com/office/powerpoint/2012/main" xmlns:p14="http://schemas.microsoft.com/office/powerpoint/2010/main" xmlns:mc="http://schemas.openxmlformats.org/markup-compatibility/2006" val="SMDATA_17_q5OGZBMAAAAlAAAAEQAAAA0AAAAAkAAAAEgAAACQAAAASAAAAAAAAAAAAAAAAAAAAAEAAABQAAAAAAAAAAAA4D8AAAAAAADgPwAAAAAAAOA/AAAAAAAA4D8AAAAAAADgPwAAAAAAAOA/AAAAAAAA4D8AAAAAAADgPwAAAAAAAOA/AAAAAAAA4D8CAAAAjAAAAAAAAAAAAAAARHLEDP///wgAAAAAAAAAAAAAAAAAAAAAAAAAAAAAAAAAAAAAZAAAAAEAAABAAAAAAAAAAAAAAAAAAAAAAAAAAAAAAAAAAAAAAAAAAAAAAAAAAAAAAAAAAAAAAAAAAAAAAAAAAAAAAAAAAAAAAAAAAAAAAAAAAAAAAAAAAAAAAAAAAAAAFAAAADwAAAAAAAAAAAAAAAAAAAkUAAAAAQAAABQAAAAUAAAAFAAAAAEAAAAAAAAAZAAAAGQAAAAAAAAAZAAAAGQAAAAVAAAAYAAAAAAAAAAAAAAADwAAACADAAAAAAAAAAAAAAEAAACgMgAAVgcAAKr4//8BAAAAf39/AAEAAABkAAAAAAAAABQAAABAHwAAAAAAACYAAAAAAAAAwOD//wAAAAAmAAAAZAAAABYAAABMAAAAAAAAAAAAAAAEAAAAAAAAAAEAAADn5uYKAAAAACgAAAAoAAAAZAAAAGQAAAAAAAAAzMzMAAAAAABQAAAAUAAAAGQAAABkAAAAAAAAAAcAAAA4AAAAAAAAAAAAAAAAAAAA////AAAAAAAAAAAAAAAAAAAAAAAAAAAAAAAAAAAAAABkAAAAZAAAAAAAAAAjAAAABAAAAGQAAAAXAAAAFAAAAAAAAAAAAAAA/38AAP9/AAAAAAAACQAAAAQAAAAJAAAAHgAAAGgAAAAAAAAAAAAAAAAAAAAAAAAAAAAAABAnAAAQJwAAAAAAAAAAAAAAAAAAAAAAAAAAAAAAAAAAAAAAAAAAAAAUAAAAAAAAAMDA/wAAAAAAZAAAADIAAAAAAAAAZAAAAAAAAAB/f38ACgAAACIAAAAYAAAAAAAAAAAAAAAAAAAAAAAAAAAAAAAAAAAAJAAAACQAAAAAAAAABwAAAAAAAAAAAAAAAAAAAAAAAAAAAAAAAAAAAH9/fwAlAAAAWAAAAAAAAAAAAAAAAAAAAAAAAAAAAAAAAAAAAAAAAAAAAAAAAAAAAAAAAAAAAAAAPwAAAAAAAACghgEAAAAAAAAAAAAAAAAADAAAAAEAAAAAAAAAAAAAAAAAAAAfAAAAVAAAAERyxAX///8BAAAAAAAAAAAAAAAAAAAAAAAAAAAAAAAAAAAAAAAAAAAAAAACf39/AOfm5gPMzMwAwMD/AH9/fwAAAAAAAAAAAAAAAAD///8AAAAAACEAAAAYAAAAFAAAAJwmAABRCgAA6EUAAOsbAAAQAAAAJgAAAAgAAAD//////////w=="/>
               </a:ext>
             </a:extLst>
           </p:cNvPicPr>
@@ -18223,13 +17936,6 @@
   <p:clrMapOvr>
     <a:masterClrMapping/>
   </p:clrMapOvr>
-  <p:timing>
-    <p:tnLst>
-      <p:par>
-        <p:cTn id="1" dur="indefinite" restart="never" nodeType="tmRoot"/>
-      </p:par>
-    </p:tnLst>
-  </p:timing>
 </p:sld>
 </file>
 

--- a/slide aula invertida atualizado(2).pptx
+++ b/slide aula invertida atualizado(2).pptx
@@ -25,16 +25,19 @@
     <p:sldId id="268" r:id="rId19"/>
     <p:sldId id="269" r:id="rId20"/>
     <p:sldId id="270" r:id="rId21"/>
-    <p:sldId id="271" r:id="rId22"/>
-    <p:sldId id="272" r:id="rId23"/>
-    <p:sldId id="273" r:id="rId24"/>
-    <p:sldId id="274" r:id="rId25"/>
-    <p:sldId id="275" r:id="rId26"/>
-    <p:sldId id="276" r:id="rId27"/>
-    <p:sldId id="277" r:id="rId28"/>
-    <p:sldId id="278" r:id="rId29"/>
-    <p:sldId id="279" r:id="rId30"/>
-    <p:sldId id="280" r:id="rId31"/>
+    <p:sldId id="283" r:id="rId22"/>
+    <p:sldId id="284" r:id="rId23"/>
+    <p:sldId id="285" r:id="rId24"/>
+    <p:sldId id="271" r:id="rId25"/>
+    <p:sldId id="272" r:id="rId26"/>
+    <p:sldId id="273" r:id="rId27"/>
+    <p:sldId id="274" r:id="rId28"/>
+    <p:sldId id="275" r:id="rId29"/>
+    <p:sldId id="276" r:id="rId30"/>
+    <p:sldId id="277" r:id="rId31"/>
+    <p:sldId id="278" r:id="rId32"/>
+    <p:sldId id="279" r:id="rId33"/>
+    <p:sldId id="280" r:id="rId34"/>
   </p:sldIdLst>
   <p:sldSz cx="12192000" cy="6858000"/>
   <p:notesSz cx="7772400" cy="10058400"/>
@@ -298,7 +301,7 @@
             <a:spLocks noGrp="1" noChangeArrowheads="1"/>
             <a:extLst>
               <a:ext uri="smNativeData">
-                <pr:smNativeData xmlns="smNativeData" xmlns:pr="smNativeData" xmlns:p15="http://schemas.microsoft.com/office/powerpoint/2012/main" xmlns:p14="http://schemas.microsoft.com/office/powerpoint/2010/main" xmlns:mc="http://schemas.openxmlformats.org/markup-compatibility/2006" val="SMDATA_15_q5OGZBMAAAAlAAAAZAAAAA0AAAAAAAAAAAAAAAAAAAAAAAAAAAAAAAABAAAAAAAAAAEAAABQAAAAAAAAAAAA4D8AAAAAAADgPwAAAAAAAOA/AAAAAAAA4D8AAAAAAADgPwAAAAAAAOA/AAAAAAAA4D8AAAAAAADgPwAAAAAAAOA/AAAAAAAA4D8CAAAAjAAAAAAAAAAAAAAARHLEDP///wgAAAAAAAAAAAAAAAAAAAAAAAAAAAAAAAAAAAAAZAAAAAEAAABAAAAAAAAAAAAAAAAAAAAAAAAAAAAAAAAAAAAAAAAAAAAAAAAAAAAAAAAAAAAAAAAAAAAAAAAAAAAAAAAAAAAAAAAAAAAAAAAAAAAAAAAAAAAAAAAAAAAAFAAAADwAAAAAAAAAAAAAAAAAAAkUAAAAAQAAABQAAAAUAAAAFAAAAAEAAAAAAAAAZAAAAGQAAAAAAAAAZAAAAGQAAAAVAAAAYAAAAAAAAAAAAAAADwAAACADAAAAAAAAAAAAAAEAAACgMgAAVgcAAKr4//8BAAAAf39/AAEAAABkAAAAAAAAABQAAABAHwAAAAAAACYAAAAAAAAAwOD//wAAAAAmAAAAZAAAABYAAABMAAAAAAAAAAAAAAAEAAAAAAAAAAEAAADn5uYKAAAAACgAAAAoAAAAZAAAAGQAAAAAAAAAzMzMAAAAAABQAAAAUAAAAGQAAABkAAAAAAAAABcAAAAUAAAAAAAAAAAAAAD/fwAA/38AAAAAAAAJAAAABAAAAAAAAAAeAAAAaAAAAAAAAAAAAAAAAAAAAAAAAAAAAAAAECcAABAnAAAAAAAAAAAAAAAAAAAAAAAAAAAAAAAAAAAAAAAAAAAAABQAAAAAAAAAwMD/AAAAAABkAAAAMgAAAAAAAABkAAAAAAAAAH9/fwAKAAAAIgAAABgAAAAAAAAAAAAAAAAAAAAAAAAAAAAAAAAAAAAkAAAAJAAAAAAAAAAHAAAAAAAAAAAAAAAAAAAAAAAAAAAAAAAAAAAAf39/ACUAAABYAAAAAAAAAAAAAAAAAAAAAAAAAAAAAAAAAAAAAAAAAAAAAAAAAAAAAAAAAAAAAAA/AAAAAAAAAKCGAQAAAAAAAAAAAAAAAAAMAAAAAQAAAAAAAAAAAAAAAAAAAB8AAABUAAAAAAAABQAAAAEAAAAAAAAAAAAAAAAAAAAAAAAAAAAAAAAAAAAAAAAAAAAAAAJ/f38AAAAAA8zMzADAwP8Af39/AAAAAAAAAAAAAAAAAAAAAAAAAAAAIQAAABgAAAAUAAAAwAMAAK8BAAA/RwAAuggAABAAAAAmAAAACAAAAD0gAAAAAAAA"/>
+                <pr:smNativeData xmlns:mc="http://schemas.openxmlformats.org/markup-compatibility/2006" xmlns:p14="http://schemas.microsoft.com/office/powerpoint/2010/main" xmlns:p15="http://schemas.microsoft.com/office/powerpoint/2012/main" xmlns:pr="smNativeData" xmlns="smNativeData" val="SMDATA_15_q5OGZBMAAAAlAAAAZAAAAA0AAAAAAAAAAAAAAAAAAAAAAAAAAAAAAAABAAAAAAAAAAEAAABQAAAAAAAAAAAA4D8AAAAAAADgPwAAAAAAAOA/AAAAAAAA4D8AAAAAAADgPwAAAAAAAOA/AAAAAAAA4D8AAAAAAADgPwAAAAAAAOA/AAAAAAAA4D8CAAAAjAAAAAAAAAAAAAAARHLEDP///wgAAAAAAAAAAAAAAAAAAAAAAAAAAAAAAAAAAAAAZAAAAAEAAABAAAAAAAAAAAAAAAAAAAAAAAAAAAAAAAAAAAAAAAAAAAAAAAAAAAAAAAAAAAAAAAAAAAAAAAAAAAAAAAAAAAAAAAAAAAAAAAAAAAAAAAAAAAAAAAAAAAAAFAAAADwAAAAAAAAAAAAAAAAAAAkUAAAAAQAAABQAAAAUAAAAFAAAAAEAAAAAAAAAZAAAAGQAAAAAAAAAZAAAAGQAAAAVAAAAYAAAAAAAAAAAAAAADwAAACADAAAAAAAAAAAAAAEAAACgMgAAVgcAAKr4//8BAAAAf39/AAEAAABkAAAAAAAAABQAAABAHwAAAAAAACYAAAAAAAAAwOD//wAAAAAmAAAAZAAAABYAAABMAAAAAAAAAAAAAAAEAAAAAAAAAAEAAADn5uYKAAAAACgAAAAoAAAAZAAAAGQAAAAAAAAAzMzMAAAAAABQAAAAUAAAAGQAAABkAAAAAAAAABcAAAAUAAAAAAAAAAAAAAD/fwAA/38AAAAAAAAJAAAABAAAAAAAAAAeAAAAaAAAAAAAAAAAAAAAAAAAAAAAAAAAAAAAECcAABAnAAAAAAAAAAAAAAAAAAAAAAAAAAAAAAAAAAAAAAAAAAAAABQAAAAAAAAAwMD/AAAAAABkAAAAMgAAAAAAAABkAAAAAAAAAH9/fwAKAAAAIgAAABgAAAAAAAAAAAAAAAAAAAAAAAAAAAAAAAAAAAAkAAAAJAAAAAAAAAAHAAAAAAAAAAAAAAAAAAAAAAAAAAAAAAAAAAAAf39/ACUAAABYAAAAAAAAAAAAAAAAAAAAAAAAAAAAAAAAAAAAAAAAAAAAAAAAAAAAAAAAAAAAAAA/AAAAAAAAAKCGAQAAAAAAAAAAAAAAAAAMAAAAAQAAAAAAAAAAAAAAAAAAAB8AAABUAAAAAAAABQAAAAEAAAAAAAAAAAAAAAAAAAAAAAAAAAAAAAAAAAAAAAAAAAAAAAJ/f38AAAAAA8zMzADAwP8Af39/AAAAAAAAAAAAAAAAAAAAAAAAAAAAIQAAABgAAAAUAAAAwAMAAK8BAAA/RwAAuggAABAAAAAmAAAACAAAAD0gAAAAAAAA"/>
               </a:ext>
             </a:extLst>
           </p:cNvSpPr>
@@ -334,7 +337,7 @@
             <a:spLocks noGrp="1" noChangeArrowheads="1"/>
             <a:extLst>
               <a:ext uri="smNativeData">
-                <pr:smNativeData xmlns="smNativeData" xmlns:pr="smNativeData" xmlns:p15="http://schemas.microsoft.com/office/powerpoint/2012/main" xmlns:p14="http://schemas.microsoft.com/office/powerpoint/2010/main" xmlns:mc="http://schemas.openxmlformats.org/markup-compatibility/2006" val="SMDATA_15_q5OGZBMAAAAlAAAAZAAAAA0AAAAAAAAAAAAAAAAAAAAAAAAAAAAAAAAAAAAAAAAAAAEAAABQAAAAAAAAAAAA4D8AAAAAAADgPwAAAAAAAOA/AAAAAAAA4D8AAAAAAADgPwAAAAAAAOA/AAAAAAAA4D8AAAAAAADgPwAAAAAAAOA/AAAAAAAA4D8CAAAAjAAAAAAAAAAAAAAARHLEDP///wgAAAAAAAAAAAAAAAAAAAAAAAAAAAAAAAAAAAAAZAAAAAEAAABAAAAAAAAAAAAAAAAAAAAAAAAAAAAAAAAAAAAAAAAAAAAAAAAAAAAAAAAAAAAAAAAAAAAAAAAAAAAAAAAAAAAAAAAAAAAAAAAAAAAAAAAAAAAAAAAAAAAAFAAAADwAAAAAAAAAAAAAAAAAAAkUAAAAAQAAABQAAAAUAAAAFAAAAAEAAAAAAAAAZAAAAGQAAAAAAAAAZAAAAGQAAAAVAAAAYAAAAAAAAAAAAAAADwAAACADAAAAAAAAAAAAAAEAAACgMgAAVgcAAKr4//8BAAAAf39/AAEAAABkAAAAAAAAABQAAABAHwAAAAAAACYAAAAAAAAAwOD//wAAAAAmAAAAZAAAABYAAABMAAAAAAAAAAAAAAAEAAAAAAAAAAEAAADn5uYKAAAAACgAAAAoAAAAZAAAAGQAAAAAAAAAzMzMAAAAAABQAAAAUAAAAGQAAABkAAAAAAAAABcAAAAUAAAAAAAAAAAAAAD/fwAA/38AAAAAAAAJAAAABAAAAMIAAAAeAAAAaAAAAAAAAAAAAAAAAAAAAAAAAAAAAAAAECcAABAnAAAAAAAAAAAAAAAAAAAAAAAAAAAAAAAAAAAAAAAAAAAAABQAAAAAAAAAwMD/AAAAAABkAAAAMgAAAAAAAABkAAAAAAAAAH9/fwAKAAAAIgAAABgAAAAAAAAAAAAAAAAAAAAAAAAAAAAAAAAAAAAkAAAAJAAAAAAAAAAHAAAAAAAAAAAAAAAAAAAAAAAAAAAAAAAAAAAAf39/ACUAAABYAAAAAAAAAAAAAAAAAAAAAAAAAAAAAAAAAAAAAAAAAAAAAAAAAAAAAAAAAAAAAAA/AAAAAAAAAKCGAQAAAAAAAAAAAAAAAAAMAAAAAQAAAAAAAAAAAAAAAAAAAB8AAABUAAAAAAAABQAAAAEAAAAAAAAAAAAAAAAAAAAAAAAAAAAAAAAAAAAAAAAAAAAAAAJ/f38AAAAAA8zMzADAwP8Af39/AAAAAAAAAAAAAAAAAAAAAAAAAAAAIQAAABgAAAAUAAAAwAMAAN8JAAA/RwAAihUAABAAAAAmAAAACAAAAD0gAAAAAAAA"/>
+                <pr:smNativeData xmlns:mc="http://schemas.openxmlformats.org/markup-compatibility/2006" xmlns:p14="http://schemas.microsoft.com/office/powerpoint/2010/main" xmlns:p15="http://schemas.microsoft.com/office/powerpoint/2012/main" xmlns:pr="smNativeData" xmlns="smNativeData" val="SMDATA_15_q5OGZBMAAAAlAAAAZAAAAA0AAAAAAAAAAAAAAAAAAAAAAAAAAAAAAAAAAAAAAAAAAAEAAABQAAAAAAAAAAAA4D8AAAAAAADgPwAAAAAAAOA/AAAAAAAA4D8AAAAAAADgPwAAAAAAAOA/AAAAAAAA4D8AAAAAAADgPwAAAAAAAOA/AAAAAAAA4D8CAAAAjAAAAAAAAAAAAAAARHLEDP///wgAAAAAAAAAAAAAAAAAAAAAAAAAAAAAAAAAAAAAZAAAAAEAAABAAAAAAAAAAAAAAAAAAAAAAAAAAAAAAAAAAAAAAAAAAAAAAAAAAAAAAAAAAAAAAAAAAAAAAAAAAAAAAAAAAAAAAAAAAAAAAAAAAAAAAAAAAAAAAAAAAAAAFAAAADwAAAAAAAAAAAAAAAAAAAkUAAAAAQAAABQAAAAUAAAAFAAAAAEAAAAAAAAAZAAAAGQAAAAAAAAAZAAAAGQAAAAVAAAAYAAAAAAAAAAAAAAADwAAACADAAAAAAAAAAAAAAEAAACgMgAAVgcAAKr4//8BAAAAf39/AAEAAABkAAAAAAAAABQAAABAHwAAAAAAACYAAAAAAAAAwOD//wAAAAAmAAAAZAAAABYAAABMAAAAAAAAAAAAAAAEAAAAAAAAAAEAAADn5uYKAAAAACgAAAAoAAAAZAAAAGQAAAAAAAAAzMzMAAAAAABQAAAAUAAAAGQAAABkAAAAAAAAABcAAAAUAAAAAAAAAAAAAAD/fwAA/38AAAAAAAAJAAAABAAAAMIAAAAeAAAAaAAAAAAAAAAAAAAAAAAAAAAAAAAAAAAAECcAABAnAAAAAAAAAAAAAAAAAAAAAAAAAAAAAAAAAAAAAAAAAAAAABQAAAAAAAAAwMD/AAAAAABkAAAAMgAAAAAAAABkAAAAAAAAAH9/fwAKAAAAIgAAABgAAAAAAAAAAAAAAAAAAAAAAAAAAAAAAAAAAAAkAAAAJAAAAAAAAAAHAAAAAAAAAAAAAAAAAAAAAAAAAAAAAAAAAAAAf39/ACUAAABYAAAAAAAAAAAAAAAAAAAAAAAAAAAAAAAAAAAAAAAAAAAAAAAAAAAAAAAAAAAAAAA/AAAAAAAAAKCGAQAAAAAAAAAAAAAAAAAMAAAAAQAAAAAAAAAAAAAAAAAAAB8AAABUAAAAAAAABQAAAAEAAAAAAAAAAAAAAAAAAAAAAAAAAAAAAAAAAAAAAAAAAAAAAAJ/f38AAAAAA8zMzADAwP8Af39/AAAAAAAAAAAAAAAAAAAAAAAAAAAAIQAAABgAAAAUAAAAwAMAAN8JAAA/RwAAihUAABAAAAAmAAAACAAAAD0gAAAAAAAA"/>
               </a:ext>
             </a:extLst>
           </p:cNvSpPr>
@@ -370,7 +373,7 @@
             <a:spLocks noGrp="1" noChangeArrowheads="1"/>
             <a:extLst>
               <a:ext uri="smNativeData">
-                <pr:smNativeData xmlns="smNativeData" xmlns:pr="smNativeData" xmlns:p15="http://schemas.microsoft.com/office/powerpoint/2012/main" xmlns:p14="http://schemas.microsoft.com/office/powerpoint/2010/main" xmlns:mc="http://schemas.openxmlformats.org/markup-compatibility/2006" val="SMDATA_15_q5OGZBMAAAAlAAAAZAAAAA0AAAAAAAAAAAAAAAAAAAAAAAAAAAAAAAAAAAAAAAAAAAEAAABQAAAAAAAAAAAA4D8AAAAAAADgPwAAAAAAAOA/AAAAAAAA4D8AAAAAAADgPwAAAAAAAOA/AAAAAAAA4D8AAAAAAADgPwAAAAAAAOA/AAAAAAAA4D8CAAAAjAAAAAAAAAAAAAAARHLEDP///wgAAAAAAAAAAAAAAAAAAAAAAAAAAAAAAAAAAAAAZAAAAAEAAABAAAAAAAAAAAAAAAAAAAAAAAAAAAAAAAAAAAAAAAAAAAAAAAAAAAAAAAAAAAAAAAAAAAAAAAAAAAAAAAAAAAAAAAAAAAAAAAAAAAAAAAAAAAAAAAAAAAAAFAAAADwAAAAAAAAAAAAAAAAAAAkUAAAAAQAAABQAAAAUAAAAFAAAAAEAAAAAAAAAZAAAAGQAAAAAAAAAZAAAAGQAAAAVAAAAYAAAAAAAAAAAAAAADwAAACADAAAAAAAAAAAAAAEAAACgMgAAVgcAAKr4//8BAAAAf39/AAEAAABkAAAAAAAAABQAAABAHwAAAAAAACYAAAAAAAAAwOD//wAAAAAmAAAAZAAAABYAAABMAAAAAAAAAAAAAAAEAAAAAAAAAAEAAADn5uYKAAAAACgAAAAoAAAAZAAAAGQAAAAAAAAAzMzMAAAAAABQAAAAUAAAAGQAAABkAAAAAAAAABcAAAAUAAAAAAAAAAAAAAD/fwAA/38AAAAAAAAJAAAABAAAAAAAAAAeAAAAaAAAAAAAAAAAAAAAAAAAAAAAAAAAAAAAECcAABAnAAAAAAAAAAAAAAAAAAAAAAAAAAAAAAAAAAAAAAAAAAAAABQAAAAAAAAAwMD/AAAAAABkAAAAMgAAAAAAAABkAAAAAAAAAH9/fwAKAAAAIgAAABgAAAAAAAAAAAAAAAAAAAAAAAAAAAAAAAAAAAAkAAAAJAAAAAAAAAAHAAAAAAAAAAAAAAAAAAAAAAAAAAAAAAAAAAAAf39/ACUAAABYAAAAAAAAAAAAAAAAAAAAAAAAAAAAAAAAAAAAAAAAAAAAAAAAAAAAAAAAAAAAAAA/AAAAAAAAAKCGAQAAAAAAAAAAAAAAAAAMAAAAAQAAAAAAAAAAAAAAAAAAAB8AAABUAAAAAAAABQAAAAEAAAAAAAAAAAAAAAAAAAAAAAAAAAAAAAAAAAAAAAAAAAAAAAJ/f38AAAAAA8zMzADAwP8Af39/AAAAAAAAAAAAAAAAAAAAAAAAAAAAIQAAABgAAAAUAAAAwAMAAKcWAAA/RwAAUiIAABAAAAAmAAAACAAAAD0gAAAAAAAA"/>
+                <pr:smNativeData xmlns:mc="http://schemas.openxmlformats.org/markup-compatibility/2006" xmlns:p14="http://schemas.microsoft.com/office/powerpoint/2010/main" xmlns:p15="http://schemas.microsoft.com/office/powerpoint/2012/main" xmlns:pr="smNativeData" xmlns="smNativeData" val="SMDATA_15_q5OGZBMAAAAlAAAAZAAAAA0AAAAAAAAAAAAAAAAAAAAAAAAAAAAAAAAAAAAAAAAAAAEAAABQAAAAAAAAAAAA4D8AAAAAAADgPwAAAAAAAOA/AAAAAAAA4D8AAAAAAADgPwAAAAAAAOA/AAAAAAAA4D8AAAAAAADgPwAAAAAAAOA/AAAAAAAA4D8CAAAAjAAAAAAAAAAAAAAARHLEDP///wgAAAAAAAAAAAAAAAAAAAAAAAAAAAAAAAAAAAAAZAAAAAEAAABAAAAAAAAAAAAAAAAAAAAAAAAAAAAAAAAAAAAAAAAAAAAAAAAAAAAAAAAAAAAAAAAAAAAAAAAAAAAAAAAAAAAAAAAAAAAAAAAAAAAAAAAAAAAAAAAAAAAAFAAAADwAAAAAAAAAAAAAAAAAAAkUAAAAAQAAABQAAAAUAAAAFAAAAAEAAAAAAAAAZAAAAGQAAAAAAAAAZAAAAGQAAAAVAAAAYAAAAAAAAAAAAAAADwAAACADAAAAAAAAAAAAAAEAAACgMgAAVgcAAKr4//8BAAAAf39/AAEAAABkAAAAAAAAABQAAABAHwAAAAAAACYAAAAAAAAAwOD//wAAAAAmAAAAZAAAABYAAABMAAAAAAAAAAAAAAAEAAAAAAAAAAEAAADn5uYKAAAAACgAAAAoAAAAZAAAAGQAAAAAAAAAzMzMAAAAAABQAAAAUAAAAGQAAABkAAAAAAAAABcAAAAUAAAAAAAAAAAAAAD/fwAA/38AAAAAAAAJAAAABAAAAAAAAAAeAAAAaAAAAAAAAAAAAAAAAAAAAAAAAAAAAAAAECcAABAnAAAAAAAAAAAAAAAAAAAAAAAAAAAAAAAAAAAAAAAAAAAAABQAAAAAAAAAwMD/AAAAAABkAAAAMgAAAAAAAABkAAAAAAAAAH9/fwAKAAAAIgAAABgAAAAAAAAAAAAAAAAAAAAAAAAAAAAAAAAAAAAkAAAAJAAAAAAAAAAHAAAAAAAAAAAAAAAAAAAAAAAAAAAAAAAAAAAAf39/ACUAAABYAAAAAAAAAAAAAAAAAAAAAAAAAAAAAAAAAAAAAAAAAAAAAAAAAAAAAAAAAAAAAAA/AAAAAAAAAKCGAQAAAAAAAAAAAAAAAAAMAAAAAQAAAAAAAAAAAAAAAAAAAB8AAABUAAAAAAAABQAAAAEAAAAAAAAAAAAAAAAAAAAAAAAAAAAAAAAAAAAAAAAAAAAAAAJ/f38AAAAAA8zMzADAwP8Af39/AAAAAAAAAAAAAAAAAAAAAAAAAAAAIQAAABgAAAAUAAAAwAMAAKcWAAA/RwAAUiIAABAAAAAmAAAACAAAAD0gAAAAAAAA"/>
               </a:ext>
             </a:extLst>
           </p:cNvSpPr>
@@ -431,7 +434,7 @@
             <a:spLocks noGrp="1" noChangeArrowheads="1"/>
             <a:extLst>
               <a:ext uri="smNativeData">
-                <pr:smNativeData xmlns="smNativeData" xmlns:pr="smNativeData" xmlns:p15="http://schemas.microsoft.com/office/powerpoint/2012/main" xmlns:p14="http://schemas.microsoft.com/office/powerpoint/2010/main" xmlns:mc="http://schemas.openxmlformats.org/markup-compatibility/2006" val="SMDATA_15_q5OGZBMAAAAlAAAAZAAAAA0AAAAAAAAAAAAAAAAAAAAAAAAAAAAAAAABAAAAAAAAAAEAAABQAAAAAAAAAAAA4D8AAAAAAADgPwAAAAAAAOA/AAAAAAAA4D8AAAAAAADgPwAAAAAAAOA/AAAAAAAA4D8AAAAAAADgPwAAAAAAAOA/AAAAAAAA4D8CAAAAjAAAAAAAAAAAAAAARHLEDP///wgAAAAAAAAAAAAAAAAAAAAAAAAAAAAAAAAAAAAAZAAAAAEAAABAAAAAAAAAAAAAAAAAAAAAAAAAAAAAAAAAAAAAAAAAAAAAAAAAAAAAAAAAAAAAAAAAAAAAAAAAAAAAAAAAAAAAAAAAAAAAAAAAAAAAAAAAAAAAAAAAAAAAFAAAADwAAAAAAAAAAAAAAAAAAAkUAAAAAQAAABQAAAAUAAAAFAAAAAEAAAAAAAAAZAAAAGQAAAAAAAAAZAAAAGQAAAAVAAAAYAAAAAAAAAAAAAAADwAAACADAAAAAAAAAAAAAAEAAACgMgAAVgcAAKr4//8BAAAAf39/AAEAAABkAAAAAAAAABQAAABAHwAAAAAAACYAAAAAAAAAwOD//wAAAAAmAAAAZAAAABYAAABMAAAAAAAAAAAAAAAEAAAAAAAAAAEAAADn5uYKAAAAACgAAAAoAAAAZAAAAGQAAAAAAAAAzMzMAAAAAABQAAAAUAAAAGQAAABkAAAAAAAAABcAAAAUAAAAAAAAAAAAAAD/fwAA/38AAAAAAAAJAAAABAAAAAAAAAAeAAAAaAAAAAAAAAAAAAAAAAAAAAAAAAAAAAAAECcAABAnAAAAAAAAAAAAAAAAAAAAAAAAAAAAAAAAAAAAAAAAAAAAABQAAAAAAAAAwMD/AAAAAABkAAAAMgAAAAAAAABkAAAAAAAAAH9/fwAKAAAAIgAAABgAAAAAAAAAAAAAAAAAAAAAAAAAAAAAAAAAAAAkAAAAJAAAAAAAAAAHAAAAAAAAAAAAAAAAAAAAAAAAAAAAAAAAAAAAf39/ACUAAABYAAAAAAAAAAAAAAAAAAAAAAAAAAAAAAAAAAAAAAAAAAAAAAAAAAAAAAAAAAAAAAA/AAAAAAAAAKCGAQAAAAAAAAAAAAAAAAAMAAAAAQAAAAAAAAAAAAAAAAAAAB8AAABUAAAAAAAABQAAAAEAAAAAAAAAAAAAAAAAAAAAAAAAAAAAAAAAAAAAAAAAAAAAAAJ/f38AAAAAA8zMzADAwP8Af39/AAAAAAAAAAAAAAAAAAAAAAAAAAAAIQAAABgAAAAUAAAAwAMAAK8BAAA/RwAAuggAABAAAAAmAAAACAAAAD0gAAAAAAAA"/>
+                <pr:smNativeData xmlns:mc="http://schemas.openxmlformats.org/markup-compatibility/2006" xmlns:p14="http://schemas.microsoft.com/office/powerpoint/2010/main" xmlns:p15="http://schemas.microsoft.com/office/powerpoint/2012/main" xmlns:pr="smNativeData" xmlns="smNativeData" val="SMDATA_15_q5OGZBMAAAAlAAAAZAAAAA0AAAAAAAAAAAAAAAAAAAAAAAAAAAAAAAABAAAAAAAAAAEAAABQAAAAAAAAAAAA4D8AAAAAAADgPwAAAAAAAOA/AAAAAAAA4D8AAAAAAADgPwAAAAAAAOA/AAAAAAAA4D8AAAAAAADgPwAAAAAAAOA/AAAAAAAA4D8CAAAAjAAAAAAAAAAAAAAARHLEDP///wgAAAAAAAAAAAAAAAAAAAAAAAAAAAAAAAAAAAAAZAAAAAEAAABAAAAAAAAAAAAAAAAAAAAAAAAAAAAAAAAAAAAAAAAAAAAAAAAAAAAAAAAAAAAAAAAAAAAAAAAAAAAAAAAAAAAAAAAAAAAAAAAAAAAAAAAAAAAAAAAAAAAAFAAAADwAAAAAAAAAAAAAAAAAAAkUAAAAAQAAABQAAAAUAAAAFAAAAAEAAAAAAAAAZAAAAGQAAAAAAAAAZAAAAGQAAAAVAAAAYAAAAAAAAAAAAAAADwAAACADAAAAAAAAAAAAAAEAAACgMgAAVgcAAKr4//8BAAAAf39/AAEAAABkAAAAAAAAABQAAABAHwAAAAAAACYAAAAAAAAAwOD//wAAAAAmAAAAZAAAABYAAABMAAAAAAAAAAAAAAAEAAAAAAAAAAEAAADn5uYKAAAAACgAAAAoAAAAZAAAAGQAAAAAAAAAzMzMAAAAAABQAAAAUAAAAGQAAABkAAAAAAAAABcAAAAUAAAAAAAAAAAAAAD/fwAA/38AAAAAAAAJAAAABAAAAAAAAAAeAAAAaAAAAAAAAAAAAAAAAAAAAAAAAAAAAAAAECcAABAnAAAAAAAAAAAAAAAAAAAAAAAAAAAAAAAAAAAAAAAAAAAAABQAAAAAAAAAwMD/AAAAAABkAAAAMgAAAAAAAABkAAAAAAAAAH9/fwAKAAAAIgAAABgAAAAAAAAAAAAAAAAAAAAAAAAAAAAAAAAAAAAkAAAAJAAAAAAAAAAHAAAAAAAAAAAAAAAAAAAAAAAAAAAAAAAAAAAAf39/ACUAAABYAAAAAAAAAAAAAAAAAAAAAAAAAAAAAAAAAAAAAAAAAAAAAAAAAAAAAAAAAAAAAAA/AAAAAAAAAKCGAQAAAAAAAAAAAAAAAAAMAAAAAQAAAAAAAAAAAAAAAAAAAB8AAABUAAAAAAAABQAAAAEAAAAAAAAAAAAAAAAAAAAAAAAAAAAAAAAAAAAAAAAAAAAAAAJ/f38AAAAAA8zMzADAwP8Af39/AAAAAAAAAAAAAAAAAAAAAAAAAAAAIQAAABgAAAAUAAAAwAMAAK8BAAA/RwAAuggAABAAAAAmAAAACAAAAD0gAAAAAAAA"/>
               </a:ext>
             </a:extLst>
           </p:cNvSpPr>
@@ -467,7 +470,7 @@
             <a:spLocks noGrp="1" noChangeArrowheads="1"/>
             <a:extLst>
               <a:ext uri="smNativeData">
-                <pr:smNativeData xmlns="smNativeData" xmlns:pr="smNativeData" xmlns:p15="http://schemas.microsoft.com/office/powerpoint/2012/main" xmlns:p14="http://schemas.microsoft.com/office/powerpoint/2010/main" xmlns:mc="http://schemas.openxmlformats.org/markup-compatibility/2006" val="SMDATA_15_q5OGZBMAAAAlAAAAZAAAAA0AAAAAAAAAAAAAAAAAAAAAAAAAAAAAAAAAAAAAAAAAAAEAAABQAAAAAAAAAAAA4D8AAAAAAADgPwAAAAAAAOA/AAAAAAAA4D8AAAAAAADgPwAAAAAAAOA/AAAAAAAA4D8AAAAAAADgPwAAAAAAAOA/AAAAAAAA4D8CAAAAjAAAAAAAAAAAAAAARHLEDP///wgAAAAAAAAAAAAAAAAAAAAAAAAAAAAAAAAAAAAAZAAAAAEAAABAAAAAAAAAAAAAAAAAAAAAAAAAAAAAAAAAAAAAAAAAAAAAAAAAAAAAAAAAAAAAAAAAAAAAAAAAAAAAAAAAAAAAAAAAAAAAAAAAAAAAAAAAAAAAAAAAAAAAFAAAADwAAAAAAAAAAAAAAAAAAAkUAAAAAQAAABQAAAAUAAAAFAAAAAEAAAAAAAAAZAAAAGQAAAAAAAAAZAAAAGQAAAAVAAAAYAAAAAAAAAAAAAAADwAAACADAAAAAAAAAAAAAAEAAACgMgAAVgcAAKr4//8BAAAAf39/AAEAAABkAAAAAAAAABQAAABAHwAAAAAAACYAAAAAAAAAwOD//wAAAAAmAAAAZAAAABYAAABMAAAAAAAAAAAAAAAEAAAAAAAAAAEAAADn5uYKAAAAACgAAAAoAAAAZAAAAGQAAAAAAAAAzMzMAAAAAABQAAAAUAAAAGQAAABkAAAAAAAAABcAAAAUAAAAAAAAAAAAAAD/fwAA/38AAAAAAAAJAAAABAAAAAAAAAAeAAAAaAAAAAAAAAAAAAAAAAAAAAAAAAAAAAAAECcAABAnAAAAAAAAAAAAAAAAAAAAAAAAAAAAAAAAAAAAAAAAAAAAABQAAAAAAAAAwMD/AAAAAABkAAAAMgAAAAAAAABkAAAAAAAAAH9/fwAKAAAAIgAAABgAAAAAAAAAAAAAAAAAAAAAAAAAAAAAAAAAAAAkAAAAJAAAAAAAAAAHAAAAAAAAAAAAAAAAAAAAAAAAAAAAAAAAAAAAf39/ACUAAABYAAAAAAAAAAAAAAAAAAAAAAAAAAAAAAAAAAAAAAAAAAAAAAAAAAAAAAAAAAAAAAA/AAAAAAAAAKCGAQAAAAAAAAAAAAAAAAAMAAAAAQAAAAAAAAAAAAAAAAAAAB8AAABUAAAAAAAABQAAAAEAAAAAAAAAAAAAAAAAAAAAAAAAAAAAAAAAAAAAAAAAAAAAAAJ/f38AAAAAA8zMzADAwP8Af39/AAAAAAAAAAAAAAAAAAAAAAAAAAAAIQAAABgAAAAUAAAAwAMAAN8JAACwJAAAihUAABAAAAAmAAAACAAAAD0gAAAAAAAA"/>
+                <pr:smNativeData xmlns:mc="http://schemas.openxmlformats.org/markup-compatibility/2006" xmlns:p14="http://schemas.microsoft.com/office/powerpoint/2010/main" xmlns:p15="http://schemas.microsoft.com/office/powerpoint/2012/main" xmlns:pr="smNativeData" xmlns="smNativeData" val="SMDATA_15_q5OGZBMAAAAlAAAAZAAAAA0AAAAAAAAAAAAAAAAAAAAAAAAAAAAAAAAAAAAAAAAAAAEAAABQAAAAAAAAAAAA4D8AAAAAAADgPwAAAAAAAOA/AAAAAAAA4D8AAAAAAADgPwAAAAAAAOA/AAAAAAAA4D8AAAAAAADgPwAAAAAAAOA/AAAAAAAA4D8CAAAAjAAAAAAAAAAAAAAARHLEDP///wgAAAAAAAAAAAAAAAAAAAAAAAAAAAAAAAAAAAAAZAAAAAEAAABAAAAAAAAAAAAAAAAAAAAAAAAAAAAAAAAAAAAAAAAAAAAAAAAAAAAAAAAAAAAAAAAAAAAAAAAAAAAAAAAAAAAAAAAAAAAAAAAAAAAAAAAAAAAAAAAAAAAAFAAAADwAAAAAAAAAAAAAAAAAAAkUAAAAAQAAABQAAAAUAAAAFAAAAAEAAAAAAAAAZAAAAGQAAAAAAAAAZAAAAGQAAAAVAAAAYAAAAAAAAAAAAAAADwAAACADAAAAAAAAAAAAAAEAAACgMgAAVgcAAKr4//8BAAAAf39/AAEAAABkAAAAAAAAABQAAABAHwAAAAAAACYAAAAAAAAAwOD//wAAAAAmAAAAZAAAABYAAABMAAAAAAAAAAAAAAAEAAAAAAAAAAEAAADn5uYKAAAAACgAAAAoAAAAZAAAAGQAAAAAAAAAzMzMAAAAAABQAAAAUAAAAGQAAABkAAAAAAAAABcAAAAUAAAAAAAAAAAAAAD/fwAA/38AAAAAAAAJAAAABAAAAAAAAAAeAAAAaAAAAAAAAAAAAAAAAAAAAAAAAAAAAAAAECcAABAnAAAAAAAAAAAAAAAAAAAAAAAAAAAAAAAAAAAAAAAAAAAAABQAAAAAAAAAwMD/AAAAAABkAAAAMgAAAAAAAABkAAAAAAAAAH9/fwAKAAAAIgAAABgAAAAAAAAAAAAAAAAAAAAAAAAAAAAAAAAAAAAkAAAAJAAAAAAAAAAHAAAAAAAAAAAAAAAAAAAAAAAAAAAAAAAAAAAAf39/ACUAAABYAAAAAAAAAAAAAAAAAAAAAAAAAAAAAAAAAAAAAAAAAAAAAAAAAAAAAAAAAAAAAAA/AAAAAAAAAKCGAQAAAAAAAAAAAAAAAAAMAAAAAQAAAAAAAAAAAAAAAAAAAB8AAABUAAAAAAAABQAAAAEAAAAAAAAAAAAAAAAAAAAAAAAAAAAAAAAAAAAAAAAAAAAAAAJ/f38AAAAAA8zMzADAwP8Af39/AAAAAAAAAAAAAAAAAAAAAAAAAAAAIQAAABgAAAAUAAAAwAMAAN8JAACwJAAAihUAABAAAAAmAAAACAAAAD0gAAAAAAAA"/>
               </a:ext>
             </a:extLst>
           </p:cNvSpPr>
@@ -503,7 +506,7 @@
             <a:spLocks noGrp="1" noChangeArrowheads="1"/>
             <a:extLst>
               <a:ext uri="smNativeData">
-                <pr:smNativeData xmlns="smNativeData" xmlns:pr="smNativeData" xmlns:p15="http://schemas.microsoft.com/office/powerpoint/2012/main" xmlns:p14="http://schemas.microsoft.com/office/powerpoint/2010/main" xmlns:mc="http://schemas.openxmlformats.org/markup-compatibility/2006" val="SMDATA_15_q5OGZBMAAAAlAAAAZAAAAA0AAAAAAAAAAAAAAAAAAAAAAAAAAAAAAAAAAAAAAAAAAAEAAABQAAAAAAAAAAAA4D8AAAAAAADgPwAAAAAAAOA/AAAAAAAA4D8AAAAAAADgPwAAAAAAAOA/AAAAAAAA4D8AAAAAAADgPwAAAAAAAOA/AAAAAAAA4D8CAAAAjAAAAAAAAAAAAAAARHLEDP///wgAAAAAAAAAAAAAAAAAAAAAAAAAAAAAAAAAAAAAZAAAAAEAAABAAAAAAAAAAAAAAAAAAAAAAAAAAAAAAAAAAAAAAAAAAAAAAAAAAAAAAAAAAAAAAAAAAAAAAAAAAAAAAAAAAAAAAAAAAAAAAAAAAAAAAAAAAAAAAAAAAAAAFAAAADwAAAAAAAAAAAAAAAAAAAkUAAAAAQAAABQAAAAUAAAAFAAAAAEAAAAAAAAAZAAAAGQAAAAAAAAAZAAAAGQAAAAVAAAAYAAAAAAAAAAAAAAADwAAACADAAAAAAAAAAAAAAEAAACgMgAAVgcAAKr4//8BAAAAf39/AAEAAABkAAAAAAAAABQAAABAHwAAAAAAACYAAAAAAAAAwOD//wAAAAAmAAAAZAAAABYAAABMAAAAAAAAAAAAAAAEAAAAAAAAAAEAAADn5uYKAAAAACgAAAAoAAAAZAAAAGQAAAAAAAAAzMzMAAAAAABQAAAAUAAAAGQAAABkAAAAAAAAABcAAAAUAAAAAAAAAAAAAAD/fwAA/38AAAAAAAAJAAAABAAAAF8AYAAeAAAAaAAAAAAAAAAAAAAAAAAAAAAAAAAAAAAAECcAABAnAAAAAAAAAAAAAAAAAAAAAAAAAAAAAAAAAAAAAAAAAAAAABQAAAAAAAAAwMD/AAAAAABkAAAAMgAAAAAAAABkAAAAAAAAAH9/fwAKAAAAIgAAABgAAAAAAAAAAAAAAAAAAAAAAAAAAAAAAAAAAAAkAAAAJAAAAAAAAAAHAAAAAAAAAAAAAAAAAAAAAAAAAAAAAAAAAAAAf39/ACUAAABYAAAAAAAAAAAAAAAAAAAAAAAAAAAAAAAAAAAAAAAAAAAAAAAAAAAAAAAAAAAAAAA/AAAAAAAAAKCGAQAAAAAAAAAAAAAAAAAMAAAAAQAAAAAAAAAAAAAAAAAAAB8AAABUAAAAAAAABQAAAAEAAAAAAAAAAAAAAAAAAAAAAAAAAAAAAAAAAAAAAAAAAAAAAAJ/f38AAAAAA8zMzADAwP8Af39/AAAAAAAAAAAAAAAAAAAAAAAAAAAAIQAAABgAAAAUAAAAViYAAN8JAABGRwAAihUAABAAAAAmAAAACAAAAD0gAAAAAAAA"/>
+                <pr:smNativeData xmlns:mc="http://schemas.openxmlformats.org/markup-compatibility/2006" xmlns:p14="http://schemas.microsoft.com/office/powerpoint/2010/main" xmlns:p15="http://schemas.microsoft.com/office/powerpoint/2012/main" xmlns:pr="smNativeData" xmlns="smNativeData" val="SMDATA_15_q5OGZBMAAAAlAAAAZAAAAA0AAAAAAAAAAAAAAAAAAAAAAAAAAAAAAAAAAAAAAAAAAAEAAABQAAAAAAAAAAAA4D8AAAAAAADgPwAAAAAAAOA/AAAAAAAA4D8AAAAAAADgPwAAAAAAAOA/AAAAAAAA4D8AAAAAAADgPwAAAAAAAOA/AAAAAAAA4D8CAAAAjAAAAAAAAAAAAAAARHLEDP///wgAAAAAAAAAAAAAAAAAAAAAAAAAAAAAAAAAAAAAZAAAAAEAAABAAAAAAAAAAAAAAAAAAAAAAAAAAAAAAAAAAAAAAAAAAAAAAAAAAAAAAAAAAAAAAAAAAAAAAAAAAAAAAAAAAAAAAAAAAAAAAAAAAAAAAAAAAAAAAAAAAAAAFAAAADwAAAAAAAAAAAAAAAAAAAkUAAAAAQAAABQAAAAUAAAAFAAAAAEAAAAAAAAAZAAAAGQAAAAAAAAAZAAAAGQAAAAVAAAAYAAAAAAAAAAAAAAADwAAACADAAAAAAAAAAAAAAEAAACgMgAAVgcAAKr4//8BAAAAf39/AAEAAABkAAAAAAAAABQAAABAHwAAAAAAACYAAAAAAAAAwOD//wAAAAAmAAAAZAAAABYAAABMAAAAAAAAAAAAAAAEAAAAAAAAAAEAAADn5uYKAAAAACgAAAAoAAAAZAAAAGQAAAAAAAAAzMzMAAAAAABQAAAAUAAAAGQAAABkAAAAAAAAABcAAAAUAAAAAAAAAAAAAAD/fwAA/38AAAAAAAAJAAAABAAAAF8AYAAeAAAAaAAAAAAAAAAAAAAAAAAAAAAAAAAAAAAAECcAABAnAAAAAAAAAAAAAAAAAAAAAAAAAAAAAAAAAAAAAAAAAAAAABQAAAAAAAAAwMD/AAAAAABkAAAAMgAAAAAAAABkAAAAAAAAAH9/fwAKAAAAIgAAABgAAAAAAAAAAAAAAAAAAAAAAAAAAAAAAAAAAAAkAAAAJAAAAAAAAAAHAAAAAAAAAAAAAAAAAAAAAAAAAAAAAAAAAAAAf39/ACUAAABYAAAAAAAAAAAAAAAAAAAAAAAAAAAAAAAAAAAAAAAAAAAAAAAAAAAAAAAAAAAAAAA/AAAAAAAAAKCGAQAAAAAAAAAAAAAAAAAMAAAAAQAAAAAAAAAAAAAAAAAAAB8AAABUAAAAAAAABQAAAAEAAAAAAAAAAAAAAAAAAAAAAAAAAAAAAAAAAAAAAAAAAAAAAAJ/f38AAAAAA8zMzADAwP8Af39/AAAAAAAAAAAAAAAAAAAAAAAAAAAAIQAAABgAAAAUAAAAViYAAN8JAABGRwAAihUAABAAAAAmAAAACAAAAD0gAAAAAAAA"/>
               </a:ext>
             </a:extLst>
           </p:cNvSpPr>
@@ -539,7 +542,7 @@
             <a:spLocks noGrp="1" noChangeArrowheads="1"/>
             <a:extLst>
               <a:ext uri="smNativeData">
-                <pr:smNativeData xmlns="smNativeData" xmlns:pr="smNativeData" xmlns:p15="http://schemas.microsoft.com/office/powerpoint/2012/main" xmlns:p14="http://schemas.microsoft.com/office/powerpoint/2010/main" xmlns:mc="http://schemas.openxmlformats.org/markup-compatibility/2006" val="SMDATA_15_q5OGZBMAAAAlAAAAZAAAAA0AAAAAAAAAAAAAAAAAAAAAAAAAAAAAAAAAAAAAAAAAAAEAAABQAAAAAAAAAAAA4D8AAAAAAADgPwAAAAAAAOA/AAAAAAAA4D8AAAAAAADgPwAAAAAAAOA/AAAAAAAA4D8AAAAAAADgPwAAAAAAAOA/AAAAAAAA4D8CAAAAjAAAAAAAAAAAAAAARHLEDP///wgAAAAAAAAAAAAAAAAAAAAAAAAAAAAAAAAAAAAAZAAAAAEAAABAAAAAAAAAAAAAAAAAAAAAAAAAAAAAAAAAAAAAAAAAAAAAAAAAAAAAAAAAAAAAAAAAAAAAAAAAAAAAAAAAAAAAAAAAAAAAAAAAAAAAAAAAAAAAAAAAAAAAFAAAADwAAAAAAAAAAAAAAAAAAAkUAAAAAQAAABQAAAAUAAAAFAAAAAEAAAAAAAAAZAAAAGQAAAAAAAAAZAAAAGQAAAAVAAAAYAAAAAAAAAAAAAAADwAAACADAAAAAAAAAAAAAAEAAACgMgAAVgcAAKr4//8BAAAAf39/AAEAAABkAAAAAAAAABQAAABAHwAAAAAAACYAAAAAAAAAwOD//wAAAAAmAAAAZAAAABYAAABMAAAAAAAAAAAAAAAEAAAAAAAAAAEAAADn5uYKAAAAACgAAAAoAAAAZAAAAGQAAAAAAAAAzMzMAAAAAABQAAAAUAAAAGQAAABkAAAAAAAAABcAAAAUAAAAAAAAAAAAAAD/fwAA/38AAAAAAAAJAAAABAAAAF8AYAAeAAAAaAAAAAAAAAAAAAAAAAAAAAAAAAAAAAAAECcAABAnAAAAAAAAAAAAAAAAAAAAAAAAAAAAAAAAAAAAAAAAAAAAABQAAAAAAAAAwMD/AAAAAABkAAAAMgAAAAAAAABkAAAAAAAAAH9/fwAKAAAAIgAAABgAAAAAAAAAAAAAAAAAAAAAAAAAAAAAAAAAAAAkAAAAJAAAAAAAAAAHAAAAAAAAAAAAAAAAAAAAAAAAAAAAAAAAAAAAf39/ACUAAABYAAAAAAAAAAAAAAAAAAAAAAAAAAAAAAAAAAAAAAAAAAAAAAAAAAAAAAAAAAAAAAA/AAAAAAAAAKCGAQAAAAAAAAAAAAAAAAAMAAAAAQAAAAAAAAAAAAAAAAAAAB8AAABUAAAAAAAABQAAAAEAAAAAAAAAAAAAAAAAAAAAAAAAAAAAAAAAAAAAAAAAAAAAAAJ/f38AAAAAA8zMzADAwP8Af39/AAAAAAAAAAAAAAAAAAAAAAAAAAAAIQAAABgAAAAUAAAAwAMAAKcWAACwJAAAUiIAABAAAAAmAAAACAAAAD0gAAAAAAAA"/>
+                <pr:smNativeData xmlns:mc="http://schemas.openxmlformats.org/markup-compatibility/2006" xmlns:p14="http://schemas.microsoft.com/office/powerpoint/2010/main" xmlns:p15="http://schemas.microsoft.com/office/powerpoint/2012/main" xmlns:pr="smNativeData" xmlns="smNativeData" val="SMDATA_15_q5OGZBMAAAAlAAAAZAAAAA0AAAAAAAAAAAAAAAAAAAAAAAAAAAAAAAAAAAAAAAAAAAEAAABQAAAAAAAAAAAA4D8AAAAAAADgPwAAAAAAAOA/AAAAAAAA4D8AAAAAAADgPwAAAAAAAOA/AAAAAAAA4D8AAAAAAADgPwAAAAAAAOA/AAAAAAAA4D8CAAAAjAAAAAAAAAAAAAAARHLEDP///wgAAAAAAAAAAAAAAAAAAAAAAAAAAAAAAAAAAAAAZAAAAAEAAABAAAAAAAAAAAAAAAAAAAAAAAAAAAAAAAAAAAAAAAAAAAAAAAAAAAAAAAAAAAAAAAAAAAAAAAAAAAAAAAAAAAAAAAAAAAAAAAAAAAAAAAAAAAAAAAAAAAAAFAAAADwAAAAAAAAAAAAAAAAAAAkUAAAAAQAAABQAAAAUAAAAFAAAAAEAAAAAAAAAZAAAAGQAAAAAAAAAZAAAAGQAAAAVAAAAYAAAAAAAAAAAAAAADwAAACADAAAAAAAAAAAAAAEAAACgMgAAVgcAAKr4//8BAAAAf39/AAEAAABkAAAAAAAAABQAAABAHwAAAAAAACYAAAAAAAAAwOD//wAAAAAmAAAAZAAAABYAAABMAAAAAAAAAAAAAAAEAAAAAAAAAAEAAADn5uYKAAAAACgAAAAoAAAAZAAAAGQAAAAAAAAAzMzMAAAAAABQAAAAUAAAAGQAAABkAAAAAAAAABcAAAAUAAAAAAAAAAAAAAD/fwAA/38AAAAAAAAJAAAABAAAAF8AYAAeAAAAaAAAAAAAAAAAAAAAAAAAAAAAAAAAAAAAECcAABAnAAAAAAAAAAAAAAAAAAAAAAAAAAAAAAAAAAAAAAAAAAAAABQAAAAAAAAAwMD/AAAAAABkAAAAMgAAAAAAAABkAAAAAAAAAH9/fwAKAAAAIgAAABgAAAAAAAAAAAAAAAAAAAAAAAAAAAAAAAAAAAAkAAAAJAAAAAAAAAAHAAAAAAAAAAAAAAAAAAAAAAAAAAAAAAAAAAAAf39/ACUAAABYAAAAAAAAAAAAAAAAAAAAAAAAAAAAAAAAAAAAAAAAAAAAAAAAAAAAAAAAAAAAAAA/AAAAAAAAAKCGAQAAAAAAAAAAAAAAAAAMAAAAAQAAAAAAAAAAAAAAAAAAAB8AAABUAAAAAAAABQAAAAEAAAAAAAAAAAAAAAAAAAAAAAAAAAAAAAAAAAAAAAAAAAAAAAJ/f38AAAAAA8zMzADAwP8Af39/AAAAAAAAAAAAAAAAAAAAAAAAAAAAIQAAABgAAAAUAAAAwAMAAKcWAACwJAAAUiIAABAAAAAmAAAACAAAAD0gAAAAAAAA"/>
               </a:ext>
             </a:extLst>
           </p:cNvSpPr>
@@ -575,7 +578,7 @@
             <a:spLocks noGrp="1" noChangeArrowheads="1"/>
             <a:extLst>
               <a:ext uri="smNativeData">
-                <pr:smNativeData xmlns="smNativeData" xmlns:pr="smNativeData" xmlns:p15="http://schemas.microsoft.com/office/powerpoint/2012/main" xmlns:p14="http://schemas.microsoft.com/office/powerpoint/2010/main" xmlns:mc="http://schemas.openxmlformats.org/markup-compatibility/2006" val="SMDATA_15_q5OGZBMAAAAlAAAAZAAAAA0AAAAAAAAAAAAAAAAAAAAAAAAAAAAAAAAAAAAAAAAAAAEAAABQAAAAAAAAAAAA4D8AAAAAAADgPwAAAAAAAOA/AAAAAAAA4D8AAAAAAADgPwAAAAAAAOA/AAAAAAAA4D8AAAAAAADgPwAAAAAAAOA/AAAAAAAA4D8CAAAAjAAAAAAAAAAAAAAARHLEDP///wgAAAAAAAAAAAAAAAAAAAAAAAAAAAAAAAAAAAAAZAAAAAEAAABAAAAAAAAAAAAAAAAAAAAAAAAAAAAAAAAAAAAAAAAAAAAAAAAAAAAAAAAAAAAAAAAAAAAAAAAAAAAAAAAAAAAAAAAAAAAAAAAAAAAAAAAAAAAAAAAAAAAAFAAAADwAAAAAAAAAAAAAAAAAAAkUAAAAAQAAABQAAAAUAAAAFAAAAAEAAAAAAAAAZAAAAGQAAAAAAAAAZAAAAGQAAAAVAAAAYAAAAAAAAAAAAAAADwAAACADAAAAAAAAAAAAAAEAAACgMgAAVgcAAKr4//8BAAAAf39/AAEAAABkAAAAAAAAABQAAABAHwAAAAAAACYAAAAAAAAAwOD//wAAAAAmAAAAZAAAABYAAABMAAAAAAAAAAAAAAAEAAAAAAAAAAEAAADn5uYKAAAAACgAAAAoAAAAZAAAAGQAAAAAAAAAzMzMAAAAAABQAAAAUAAAAGQAAABkAAAAAAAAABcAAAAUAAAAAAAAAAAAAAD/fwAA/38AAAAAAAAJAAAABAAAAF8AYAAeAAAAaAAAAAAAAAAAAAAAAAAAAAAAAAAAAAAAECcAABAnAAAAAAAAAAAAAAAAAAAAAAAAAAAAAAAAAAAAAAAAAAAAABQAAAAAAAAAwMD/AAAAAABkAAAAMgAAAAAAAABkAAAAAAAAAH9/fwAKAAAAIgAAABgAAAAAAAAAAAAAAAAAAAAAAAAAAAAAAAAAAAAkAAAAJAAAAAAAAAAHAAAAAAAAAAAAAAAAAAAAAAAAAAAAAAAAAAAAf39/ACUAAABYAAAAAAAAAAAAAAAAAAAAAAAAAAAAAAAAAAAAAAAAAAAAAAAAAAAAAAAAAAAAAAA/AAAAAAAAAKCGAQAAAAAAAAAAAAAAAAAMAAAAAQAAAAAAAAAAAAAAAAAAAB8AAABUAAAAAAAABQAAAAEAAAAAAAAAAAAAAAAAAAAAAAAAAAAAAAAAAAAAAAAAAAAAAAJ/f38AAAAAA8zMzADAwP8Af39/AAAAAAAAAAAAAAAAAAAAAAAAAAAAIQAAABgAAAAUAAAAViYAAKcWAABGRwAAUiIAABAAAAAmAAAACAAAAD0gAAAAAAAA"/>
+                <pr:smNativeData xmlns:mc="http://schemas.openxmlformats.org/markup-compatibility/2006" xmlns:p14="http://schemas.microsoft.com/office/powerpoint/2010/main" xmlns:p15="http://schemas.microsoft.com/office/powerpoint/2012/main" xmlns:pr="smNativeData" xmlns="smNativeData" val="SMDATA_15_q5OGZBMAAAAlAAAAZAAAAA0AAAAAAAAAAAAAAAAAAAAAAAAAAAAAAAAAAAAAAAAAAAEAAABQAAAAAAAAAAAA4D8AAAAAAADgPwAAAAAAAOA/AAAAAAAA4D8AAAAAAADgPwAAAAAAAOA/AAAAAAAA4D8AAAAAAADgPwAAAAAAAOA/AAAAAAAA4D8CAAAAjAAAAAAAAAAAAAAARHLEDP///wgAAAAAAAAAAAAAAAAAAAAAAAAAAAAAAAAAAAAAZAAAAAEAAABAAAAAAAAAAAAAAAAAAAAAAAAAAAAAAAAAAAAAAAAAAAAAAAAAAAAAAAAAAAAAAAAAAAAAAAAAAAAAAAAAAAAAAAAAAAAAAAAAAAAAAAAAAAAAAAAAAAAAFAAAADwAAAAAAAAAAAAAAAAAAAkUAAAAAQAAABQAAAAUAAAAFAAAAAEAAAAAAAAAZAAAAGQAAAAAAAAAZAAAAGQAAAAVAAAAYAAAAAAAAAAAAAAADwAAACADAAAAAAAAAAAAAAEAAACgMgAAVgcAAKr4//8BAAAAf39/AAEAAABkAAAAAAAAABQAAABAHwAAAAAAACYAAAAAAAAAwOD//wAAAAAmAAAAZAAAABYAAABMAAAAAAAAAAAAAAAEAAAAAAAAAAEAAADn5uYKAAAAACgAAAAoAAAAZAAAAGQAAAAAAAAAzMzMAAAAAABQAAAAUAAAAGQAAABkAAAAAAAAABcAAAAUAAAAAAAAAAAAAAD/fwAA/38AAAAAAAAJAAAABAAAAF8AYAAeAAAAaAAAAAAAAAAAAAAAAAAAAAAAAAAAAAAAECcAABAnAAAAAAAAAAAAAAAAAAAAAAAAAAAAAAAAAAAAAAAAAAAAABQAAAAAAAAAwMD/AAAAAABkAAAAMgAAAAAAAABkAAAAAAAAAH9/fwAKAAAAIgAAABgAAAAAAAAAAAAAAAAAAAAAAAAAAAAAAAAAAAAkAAAAJAAAAAAAAAAHAAAAAAAAAAAAAAAAAAAAAAAAAAAAAAAAAAAAf39/ACUAAABYAAAAAAAAAAAAAAAAAAAAAAAAAAAAAAAAAAAAAAAAAAAAAAAAAAAAAAAAAAAAAAA/AAAAAAAAAKCGAQAAAAAAAAAAAAAAAAAMAAAAAQAAAAAAAAAAAAAAAAAAAB8AAABUAAAAAAAABQAAAAEAAAAAAAAAAAAAAAAAAAAAAAAAAAAAAAAAAAAAAAAAAAAAAAJ/f38AAAAAA8zMzADAwP8Af39/AAAAAAAAAAAAAAAAAAAAAAAAAAAAIQAAABgAAAAUAAAAViYAAKcWAABGRwAAUiIAABAAAAAmAAAACAAAAD0gAAAAAAAA"/>
               </a:ext>
             </a:extLst>
           </p:cNvSpPr>
@@ -636,7 +639,7 @@
             <a:spLocks noGrp="1" noChangeArrowheads="1"/>
             <a:extLst>
               <a:ext uri="smNativeData">
-                <pr:smNativeData xmlns="smNativeData" xmlns:pr="smNativeData" xmlns:p15="http://schemas.microsoft.com/office/powerpoint/2012/main" xmlns:p14="http://schemas.microsoft.com/office/powerpoint/2010/main" xmlns:mc="http://schemas.openxmlformats.org/markup-compatibility/2006" val="SMDATA_15_q5OGZBMAAAAlAAAAZAAAAA0AAAAAAAAAAAAAAAAAAAAAAAAAAAAAAAABAAAAAAAAAAEAAABQAAAAAAAAAAAA4D8AAAAAAADgPwAAAAAAAOA/AAAAAAAA4D8AAAAAAADgPwAAAAAAAOA/AAAAAAAA4D8AAAAAAADgPwAAAAAAAOA/AAAAAAAA4D8CAAAAjAAAAAAAAAAAAAAARHLEDP///wgAAAAAAAAAAAAAAAAAAAAAAAAAAAAAAAAAAAAAZAAAAAEAAABAAAAAAAAAAAAAAAAAAAAAAAAAAAAAAAAAAAAAAAAAAAAAAAAAAAAAAAAAAAAAAAAAAAAAAAAAAAAAAAAAAAAAAAAAAAAAAAAAAAAAAAAAAAAAAAAAAAAAFAAAADwAAAAAAAAAAAAAAAAAAAkUAAAAAQAAABQAAAAUAAAAFAAAAAEAAAAAAAAAZAAAAGQAAAAAAAAAZAAAAGQAAAAVAAAAYAAAAAAAAAAAAAAADwAAACADAAAAAAAAAAAAAAEAAACgMgAAVgcAAKr4//8BAAAAf39/AAEAAABkAAAAAAAAABQAAABAHwAAAAAAACYAAAAAAAAAwOD//wAAAAAmAAAAZAAAABYAAABMAAAAAAAAAAAAAAAEAAAAAAAAAAEAAADn5uYKAAAAACgAAAAoAAAAZAAAAGQAAAAAAAAAzMzMAAAAAABQAAAAUAAAAGQAAABkAAAAAAAAABcAAAAUAAAAAAAAAAAAAAD/fwAA/38AAAAAAAAJAAAABAAAAAAAAAAeAAAAaAAAAAAAAAAAAAAAAAAAAAAAAAAAAAAAECcAABAnAAAAAAAAAAAAAAAAAAAAAAAAAAAAAAAAAAAAAAAAAAAAABQAAAAAAAAAwMD/AAAAAABkAAAAMgAAAAAAAABkAAAAAAAAAH9/fwAKAAAAIgAAABgAAAAAAAAAAAAAAAAAAAAAAAAAAAAAAAAAAAAkAAAAJAAAAAAAAAAHAAAAAAAAAAAAAAAAAAAAAAAAAAAAAAAAAAAAf39/ACUAAABYAAAAAAAAAAAAAAAAAAAAAAAAAAAAAAAAAAAAAAAAAAAAAAAAAAAAAAAAAAAAAAA/AAAAAAAAAKCGAQAAAAAAAAAAAAAAAAAMAAAAAQAAAAAAAAAAAAAAAAAAAB8AAABUAAAAAAAABQAAAAEAAAAAAAAAAAAAAAAAAAAAAAAAAAAAAAAAAAAAAAAAAAAAAAJ/f38AAAAAA8zMzADAwP8Af39/AAAAAAAAAAAAAAAAAAAAAAAAAAAAIQAAABgAAAAUAAAAwAMAAK8BAAA/RwAAuggAABAAAAAmAAAACAAAAD0gAAAAAAAA"/>
+                <pr:smNativeData xmlns:mc="http://schemas.openxmlformats.org/markup-compatibility/2006" xmlns:p14="http://schemas.microsoft.com/office/powerpoint/2010/main" xmlns:p15="http://schemas.microsoft.com/office/powerpoint/2012/main" xmlns:pr="smNativeData" xmlns="smNativeData" val="SMDATA_15_q5OGZBMAAAAlAAAAZAAAAA0AAAAAAAAAAAAAAAAAAAAAAAAAAAAAAAABAAAAAAAAAAEAAABQAAAAAAAAAAAA4D8AAAAAAADgPwAAAAAAAOA/AAAAAAAA4D8AAAAAAADgPwAAAAAAAOA/AAAAAAAA4D8AAAAAAADgPwAAAAAAAOA/AAAAAAAA4D8CAAAAjAAAAAAAAAAAAAAARHLEDP///wgAAAAAAAAAAAAAAAAAAAAAAAAAAAAAAAAAAAAAZAAAAAEAAABAAAAAAAAAAAAAAAAAAAAAAAAAAAAAAAAAAAAAAAAAAAAAAAAAAAAAAAAAAAAAAAAAAAAAAAAAAAAAAAAAAAAAAAAAAAAAAAAAAAAAAAAAAAAAAAAAAAAAFAAAADwAAAAAAAAAAAAAAAAAAAkUAAAAAQAAABQAAAAUAAAAFAAAAAEAAAAAAAAAZAAAAGQAAAAAAAAAZAAAAGQAAAAVAAAAYAAAAAAAAAAAAAAADwAAACADAAAAAAAAAAAAAAEAAACgMgAAVgcAAKr4//8BAAAAf39/AAEAAABkAAAAAAAAABQAAABAHwAAAAAAACYAAAAAAAAAwOD//wAAAAAmAAAAZAAAABYAAABMAAAAAAAAAAAAAAAEAAAAAAAAAAEAAADn5uYKAAAAACgAAAAoAAAAZAAAAGQAAAAAAAAAzMzMAAAAAABQAAAAUAAAAGQAAABkAAAAAAAAABcAAAAUAAAAAAAAAAAAAAD/fwAA/38AAAAAAAAJAAAABAAAAAAAAAAeAAAAaAAAAAAAAAAAAAAAAAAAAAAAAAAAAAAAECcAABAnAAAAAAAAAAAAAAAAAAAAAAAAAAAAAAAAAAAAAAAAAAAAABQAAAAAAAAAwMD/AAAAAABkAAAAMgAAAAAAAABkAAAAAAAAAH9/fwAKAAAAIgAAABgAAAAAAAAAAAAAAAAAAAAAAAAAAAAAAAAAAAAkAAAAJAAAAAAAAAAHAAAAAAAAAAAAAAAAAAAAAAAAAAAAAAAAAAAAf39/ACUAAABYAAAAAAAAAAAAAAAAAAAAAAAAAAAAAAAAAAAAAAAAAAAAAAAAAAAAAAAAAAAAAAA/AAAAAAAAAKCGAQAAAAAAAAAAAAAAAAAMAAAAAQAAAAAAAAAAAAAAAAAAAB8AAABUAAAAAAAABQAAAAEAAAAAAAAAAAAAAAAAAAAAAAAAAAAAAAAAAAAAAAAAAAAAAAJ/f38AAAAAA8zMzADAwP8Af39/AAAAAAAAAAAAAAAAAAAAAAAAAAAAIQAAABgAAAAUAAAAwAMAAK8BAAA/RwAAuggAABAAAAAmAAAACAAAAD0gAAAAAAAA"/>
               </a:ext>
             </a:extLst>
           </p:cNvSpPr>
@@ -672,7 +675,7 @@
             <a:spLocks noGrp="1" noChangeArrowheads="1"/>
             <a:extLst>
               <a:ext uri="smNativeData">
-                <pr:smNativeData xmlns="smNativeData" xmlns:pr="smNativeData" xmlns:p15="http://schemas.microsoft.com/office/powerpoint/2012/main" xmlns:p14="http://schemas.microsoft.com/office/powerpoint/2010/main" xmlns:mc="http://schemas.openxmlformats.org/markup-compatibility/2006" val="SMDATA_15_q5OGZBMAAAAlAAAAZAAAAA0AAAAAAAAAAAAAAAAAAAAAAAAAAAAAAAAAAAAAAAAAAAEAAABQAAAAAAAAAAAA4D8AAAAAAADgPwAAAAAAAOA/AAAAAAAA4D8AAAAAAADgPwAAAAAAAOA/AAAAAAAA4D8AAAAAAADgPwAAAAAAAOA/AAAAAAAA4D8CAAAAjAAAAAAAAAAAAAAARHLEDP///wgAAAAAAAAAAAAAAAAAAAAAAAAAAAAAAAAAAAAAZAAAAAEAAABAAAAAAAAAAAAAAAAAAAAAAAAAAAAAAAAAAAAAAAAAAAAAAAAAAAAAAAAAAAAAAAAAAAAAAAAAAAAAAAAAAAAAAAAAAAAAAAAAAAAAAAAAAAAAAAAAAAAAFAAAADwAAAAAAAAAAAAAAAAAAAkUAAAAAQAAABQAAAAUAAAAFAAAAAEAAAAAAAAAZAAAAGQAAAAAAAAAZAAAAGQAAAAVAAAAYAAAAAAAAAAAAAAADwAAACADAAAAAAAAAAAAAAEAAACgMgAAVgcAAKr4//8BAAAAf39/AAEAAABkAAAAAAAAABQAAABAHwAAAAAAACYAAAAAAAAAwOD//wAAAAAmAAAAZAAAABYAAABMAAAAAAAAAAAAAAAEAAAAAAAAAAEAAADn5uYKAAAAACgAAAAoAAAAZAAAAGQAAAAAAAAAzMzMAAAAAABQAAAAUAAAAGQAAABkAAAAAAAAABcAAAAUAAAAAAAAAAAAAAD/fwAA/38AAAAAAAAJAAAABAAAAF8AYAAeAAAAaAAAAAAAAAAAAAAAAAAAAAAAAAAAAAAAECcAABAnAAAAAAAAAAAAAAAAAAAAAAAAAAAAAAAAAAAAAAAAAAAAABQAAAAAAAAAwMD/AAAAAABkAAAAMgAAAAAAAABkAAAAAAAAAH9/fwAKAAAAIgAAABgAAAAAAAAAAAAAAAAAAAAAAAAAAAAAAAAAAAAkAAAAJAAAAAAAAAAHAAAAAAAAAAAAAAAAAAAAAAAAAAAAAAAAAAAAf39/ACUAAABYAAAAAAAAAAAAAAAAAAAAAAAAAAAAAAAAAAAAAAAAAAAAAAAAAAAAAAAAAAAAAAA/AAAAAAAAAKCGAQAAAAAAAAAAAAAAAAAMAAAAAQAAAAAAAAAAAAAAAAAAAB8AAABUAAAAAAAABQAAAAEAAAAAAAAAAAAAAAAAAAAAAAAAAAAAAAAAAAAAAAAAAAAAAAJ/f38AAAAAA8zMzADAwP8Af39/AAAAAAAAAAAAAAAAAAAAAAAAAAAAIQAAABgAAAAUAAAAwAMAAN8JAAB8GQAAihUAABAAAAAmAAAACAAAAD0gAAAAAAAA"/>
+                <pr:smNativeData xmlns:mc="http://schemas.openxmlformats.org/markup-compatibility/2006" xmlns:p14="http://schemas.microsoft.com/office/powerpoint/2010/main" xmlns:p15="http://schemas.microsoft.com/office/powerpoint/2012/main" xmlns:pr="smNativeData" xmlns="smNativeData" val="SMDATA_15_q5OGZBMAAAAlAAAAZAAAAA0AAAAAAAAAAAAAAAAAAAAAAAAAAAAAAAAAAAAAAAAAAAEAAABQAAAAAAAAAAAA4D8AAAAAAADgPwAAAAAAAOA/AAAAAAAA4D8AAAAAAADgPwAAAAAAAOA/AAAAAAAA4D8AAAAAAADgPwAAAAAAAOA/AAAAAAAA4D8CAAAAjAAAAAAAAAAAAAAARHLEDP///wgAAAAAAAAAAAAAAAAAAAAAAAAAAAAAAAAAAAAAZAAAAAEAAABAAAAAAAAAAAAAAAAAAAAAAAAAAAAAAAAAAAAAAAAAAAAAAAAAAAAAAAAAAAAAAAAAAAAAAAAAAAAAAAAAAAAAAAAAAAAAAAAAAAAAAAAAAAAAAAAAAAAAFAAAADwAAAAAAAAAAAAAAAAAAAkUAAAAAQAAABQAAAAUAAAAFAAAAAEAAAAAAAAAZAAAAGQAAAAAAAAAZAAAAGQAAAAVAAAAYAAAAAAAAAAAAAAADwAAACADAAAAAAAAAAAAAAEAAACgMgAAVgcAAKr4//8BAAAAf39/AAEAAABkAAAAAAAAABQAAABAHwAAAAAAACYAAAAAAAAAwOD//wAAAAAmAAAAZAAAABYAAABMAAAAAAAAAAAAAAAEAAAAAAAAAAEAAADn5uYKAAAAACgAAAAoAAAAZAAAAGQAAAAAAAAAzMzMAAAAAABQAAAAUAAAAGQAAABkAAAAAAAAABcAAAAUAAAAAAAAAAAAAAD/fwAA/38AAAAAAAAJAAAABAAAAF8AYAAeAAAAaAAAAAAAAAAAAAAAAAAAAAAAAAAAAAAAECcAABAnAAAAAAAAAAAAAAAAAAAAAAAAAAAAAAAAAAAAAAAAAAAAABQAAAAAAAAAwMD/AAAAAABkAAAAMgAAAAAAAABkAAAAAAAAAH9/fwAKAAAAIgAAABgAAAAAAAAAAAAAAAAAAAAAAAAAAAAAAAAAAAAkAAAAJAAAAAAAAAAHAAAAAAAAAAAAAAAAAAAAAAAAAAAAAAAAAAAAf39/ACUAAABYAAAAAAAAAAAAAAAAAAAAAAAAAAAAAAAAAAAAAAAAAAAAAAAAAAAAAAAAAAAAAAA/AAAAAAAAAKCGAQAAAAAAAAAAAAAAAAAMAAAAAQAAAAAAAAAAAAAAAAAAAB8AAABUAAAAAAAABQAAAAEAAAAAAAAAAAAAAAAAAAAAAAAAAAAAAAAAAAAAAAAAAAAAAAJ/f38AAAAAA8zMzADAwP8Af39/AAAAAAAAAAAAAAAAAAAAAAAAAAAAIQAAABgAAAAUAAAAwAMAAN8JAAB8GQAAihUAABAAAAAmAAAACAAAAD0gAAAAAAAA"/>
               </a:ext>
             </a:extLst>
           </p:cNvSpPr>
@@ -708,7 +711,7 @@
             <a:spLocks noGrp="1" noChangeArrowheads="1"/>
             <a:extLst>
               <a:ext uri="smNativeData">
-                <pr:smNativeData xmlns="smNativeData" xmlns:pr="smNativeData" xmlns:p15="http://schemas.microsoft.com/office/powerpoint/2012/main" xmlns:p14="http://schemas.microsoft.com/office/powerpoint/2010/main" xmlns:mc="http://schemas.openxmlformats.org/markup-compatibility/2006" val="SMDATA_15_q5OGZBMAAAAlAAAAZAAAAA0AAAAAAAAAAAAAAAAAAAAAAAAAAAAAAAAAAAAAAAAAAAEAAABQAAAAAAAAAAAA4D8AAAAAAADgPwAAAAAAAOA/AAAAAAAA4D8AAAAAAADgPwAAAAAAAOA/AAAAAAAA4D8AAAAAAADgPwAAAAAAAOA/AAAAAAAA4D8CAAAAjAAAAAAAAAAAAAAARHLEDP///wgAAAAAAAAAAAAAAAAAAAAAAAAAAAAAAAAAAAAAZAAAAAEAAABAAAAAAAAAAAAAAAAAAAAAAAAAAAAAAAAAAAAAAAAAAAAAAAAAAAAAAAAAAAAAAAAAAAAAAAAAAAAAAAAAAAAAAAAAAAAAAAAAAAAAAAAAAAAAAAAAAAAAFAAAADwAAAAAAAAAAAAAAAAAAAkUAAAAAQAAABQAAAAUAAAAFAAAAAEAAAAAAAAAZAAAAGQAAAAAAAAAZAAAAGQAAAAVAAAAYAAAAAAAAAAAAAAADwAAACADAAAAAAAAAAAAAAEAAACgMgAAVgcAAKr4//8BAAAAf39/AAEAAABkAAAAAAAAABQAAABAHwAAAAAAACYAAAAAAAAAwOD//wAAAAAmAAAAZAAAABYAAABMAAAAAAAAAAAAAAAEAAAAAAAAAAEAAADn5uYKAAAAACgAAAAoAAAAZAAAAGQAAAAAAAAAzMzMAAAAAABQAAAAUAAAAGQAAABkAAAAAAAAABcAAAAUAAAAAAAAAAAAAAD/fwAA/38AAAAAAAAJAAAABAAAAAAAAAAeAAAAaAAAAAAAAAAAAAAAAAAAAAAAAAAAAAAAECcAABAnAAAAAAAAAAAAAAAAAAAAAAAAAAAAAAAAAAAAAAAAAAAAABQAAAAAAAAAwMD/AAAAAABkAAAAMgAAAAAAAABkAAAAAAAAAH9/fwAKAAAAIgAAABgAAAAAAAAAAAAAAAAAAAAAAAAAAAAAAAAAAAAkAAAAJAAAAAAAAAAHAAAAAAAAAAAAAAAAAAAAAAAAAAAAAAAAAAAAf39/ACUAAABYAAAAAAAAAAAAAAAAAAAAAAAAAAAAAAAAAAAAAAAAAAAAAAAAAAAAAAAAAAAAAAA/AAAAAAAAAKCGAQAAAAAAAAAAAAAAAAAMAAAAAQAAAAAAAAAAAAAAAAAAAB8AAABUAAAAAAAABQAAAAEAAAAAAAAAAAAAAAAAAAAAAAAAAAAAAAAAAAAAAAAAAAAAAAJ/f38AAAAAA8zMzADAwP8Af39/AAAAAAAAAAAAAAAAAAAAAAAAAAAAIQAAABgAAAAUAAAAkxoAAN8JAABOMAAAihUAABAAAAAmAAAACAAAAD0gAAAAAAAA"/>
+                <pr:smNativeData xmlns:mc="http://schemas.openxmlformats.org/markup-compatibility/2006" xmlns:p14="http://schemas.microsoft.com/office/powerpoint/2010/main" xmlns:p15="http://schemas.microsoft.com/office/powerpoint/2012/main" xmlns:pr="smNativeData" xmlns="smNativeData" val="SMDATA_15_q5OGZBMAAAAlAAAAZAAAAA0AAAAAAAAAAAAAAAAAAAAAAAAAAAAAAAAAAAAAAAAAAAEAAABQAAAAAAAAAAAA4D8AAAAAAADgPwAAAAAAAOA/AAAAAAAA4D8AAAAAAADgPwAAAAAAAOA/AAAAAAAA4D8AAAAAAADgPwAAAAAAAOA/AAAAAAAA4D8CAAAAjAAAAAAAAAAAAAAARHLEDP///wgAAAAAAAAAAAAAAAAAAAAAAAAAAAAAAAAAAAAAZAAAAAEAAABAAAAAAAAAAAAAAAAAAAAAAAAAAAAAAAAAAAAAAAAAAAAAAAAAAAAAAAAAAAAAAAAAAAAAAAAAAAAAAAAAAAAAAAAAAAAAAAAAAAAAAAAAAAAAAAAAAAAAFAAAADwAAAAAAAAAAAAAAAAAAAkUAAAAAQAAABQAAAAUAAAAFAAAAAEAAAAAAAAAZAAAAGQAAAAAAAAAZAAAAGQAAAAVAAAAYAAAAAAAAAAAAAAADwAAACADAAAAAAAAAAAAAAEAAACgMgAAVgcAAKr4//8BAAAAf39/AAEAAABkAAAAAAAAABQAAABAHwAAAAAAACYAAAAAAAAAwOD//wAAAAAmAAAAZAAAABYAAABMAAAAAAAAAAAAAAAEAAAAAAAAAAEAAADn5uYKAAAAACgAAAAoAAAAZAAAAGQAAAAAAAAAzMzMAAAAAABQAAAAUAAAAGQAAABkAAAAAAAAABcAAAAUAAAAAAAAAAAAAAD/fwAA/38AAAAAAAAJAAAABAAAAAAAAAAeAAAAaAAAAAAAAAAAAAAAAAAAAAAAAAAAAAAAECcAABAnAAAAAAAAAAAAAAAAAAAAAAAAAAAAAAAAAAAAAAAAAAAAABQAAAAAAAAAwMD/AAAAAABkAAAAMgAAAAAAAABkAAAAAAAAAH9/fwAKAAAAIgAAABgAAAAAAAAAAAAAAAAAAAAAAAAAAAAAAAAAAAAkAAAAJAAAAAAAAAAHAAAAAAAAAAAAAAAAAAAAAAAAAAAAAAAAAAAAf39/ACUAAABYAAAAAAAAAAAAAAAAAAAAAAAAAAAAAAAAAAAAAAAAAAAAAAAAAAAAAAAAAAAAAAA/AAAAAAAAAKCGAQAAAAAAAAAAAAAAAAAMAAAAAQAAAAAAAAAAAAAAAAAAAB8AAABUAAAAAAAABQAAAAEAAAAAAAAAAAAAAAAAAAAAAAAAAAAAAAAAAAAAAAAAAAAAAAJ/f38AAAAAA8zMzADAwP8Af39/AAAAAAAAAAAAAAAAAAAAAAAAAAAAIQAAABgAAAAUAAAAkxoAAN8JAABOMAAAihUAABAAAAAmAAAACAAAAD0gAAAAAAAA"/>
               </a:ext>
             </a:extLst>
           </p:cNvSpPr>
@@ -744,7 +747,7 @@
             <a:spLocks noGrp="1" noChangeArrowheads="1"/>
             <a:extLst>
               <a:ext uri="smNativeData">
-                <pr:smNativeData xmlns="smNativeData" xmlns:pr="smNativeData" xmlns:p15="http://schemas.microsoft.com/office/powerpoint/2012/main" xmlns:p14="http://schemas.microsoft.com/office/powerpoint/2010/main" xmlns:mc="http://schemas.openxmlformats.org/markup-compatibility/2006" val="SMDATA_15_q5OGZBMAAAAlAAAAZAAAAA0AAAAAAAAAAAAAAAAAAAAAAAAAAAAAAAAAAAAAAAAAAAEAAABQAAAAAAAAAAAA4D8AAAAAAADgPwAAAAAAAOA/AAAAAAAA4D8AAAAAAADgPwAAAAAAAOA/AAAAAAAA4D8AAAAAAADgPwAAAAAAAOA/AAAAAAAA4D8CAAAAjAAAAAAAAAAAAAAARHLEDP///wgAAAAAAAAAAAAAAAAAAAAAAAAAAAAAAAAAAAAAZAAAAAEAAABAAAAAAAAAAAAAAAAAAAAAAAAAAAAAAAAAAAAAAAAAAAAAAAAAAAAAAAAAAAAAAAAAAAAAAAAAAAAAAAAAAAAAAAAAAAAAAAAAAAAAAAAAAAAAAAAAAAAAFAAAADwAAAAAAAAAAAAAAAAAAAkUAAAAAQAAABQAAAAUAAAAFAAAAAEAAAAAAAAAZAAAAGQAAAAAAAAAZAAAAGQAAAAVAAAAYAAAAAAAAAAAAAAADwAAACADAAAAAAAAAAAAAAEAAACgMgAAVgcAAKr4//8BAAAAf39/AAEAAABkAAAAAAAAABQAAABAHwAAAAAAACYAAAAAAAAAwOD//wAAAAAmAAAAZAAAABYAAABMAAAAAAAAAAAAAAAEAAAAAAAAAAEAAADn5uYKAAAAACgAAAAoAAAAZAAAAGQAAAAAAAAAzMzMAAAAAABQAAAAUAAAAGQAAABkAAAAAAAAABcAAAAUAAAAAAAAAAAAAAD/fwAA/38AAAAAAAAJAAAABAAAALsAAAAeAAAAaAAAAAAAAAAAAAAAAAAAAAAAAAAAAAAAECcAABAnAAAAAAAAAAAAAAAAAAAAAAAAAAAAAAAAAAAAAAAAAAAAABQAAAAAAAAAwMD/AAAAAABkAAAAMgAAAAAAAABkAAAAAAAAAH9/fwAKAAAAIgAAABgAAAAAAAAAAAAAAAAAAAAAAAAAAAAAAAAAAAAkAAAAJAAAAAAAAAAHAAAAAAAAAAAAAAAAAAAAAAAAAAAAAAAAAAAAf39/ACUAAABYAAAAAAAAAAAAAAAAAAAAAAAAAAAAAAAAAAAAAAAAAAAAAAAAAAAAAAAAAAAAAAA/AAAAAAAAAKCGAQAAAAAAAAAAAAAAAAAMAAAAAQAAAAAAAAAAAAAAAAAAAB8AAABUAAAAAAAABQAAAAEAAAAAAAAAAAAAAAAAAAAAAAAAAAAAAAAAAAAAAAAAAAAAAAJ/f38AAAAAA8zMzADAwP8Af39/AAAAAAAAAAAAAAAAAAAAAAAAAAAAIQAAABgAAAAUAAAAZTEAAN8JAAAhRwAAihUAABAAAAAmAAAACAAAAD0gAAAAAAAA"/>
+                <pr:smNativeData xmlns:mc="http://schemas.openxmlformats.org/markup-compatibility/2006" xmlns:p14="http://schemas.microsoft.com/office/powerpoint/2010/main" xmlns:p15="http://schemas.microsoft.com/office/powerpoint/2012/main" xmlns:pr="smNativeData" xmlns="smNativeData" val="SMDATA_15_q5OGZBMAAAAlAAAAZAAAAA0AAAAAAAAAAAAAAAAAAAAAAAAAAAAAAAAAAAAAAAAAAAEAAABQAAAAAAAAAAAA4D8AAAAAAADgPwAAAAAAAOA/AAAAAAAA4D8AAAAAAADgPwAAAAAAAOA/AAAAAAAA4D8AAAAAAADgPwAAAAAAAOA/AAAAAAAA4D8CAAAAjAAAAAAAAAAAAAAARHLEDP///wgAAAAAAAAAAAAAAAAAAAAAAAAAAAAAAAAAAAAAZAAAAAEAAABAAAAAAAAAAAAAAAAAAAAAAAAAAAAAAAAAAAAAAAAAAAAAAAAAAAAAAAAAAAAAAAAAAAAAAAAAAAAAAAAAAAAAAAAAAAAAAAAAAAAAAAAAAAAAAAAAAAAAFAAAADwAAAAAAAAAAAAAAAAAAAkUAAAAAQAAABQAAAAUAAAAFAAAAAEAAAAAAAAAZAAAAGQAAAAAAAAAZAAAAGQAAAAVAAAAYAAAAAAAAAAAAAAADwAAACADAAAAAAAAAAAAAAEAAACgMgAAVgcAAKr4//8BAAAAf39/AAEAAABkAAAAAAAAABQAAABAHwAAAAAAACYAAAAAAAAAwOD//wAAAAAmAAAAZAAAABYAAABMAAAAAAAAAAAAAAAEAAAAAAAAAAEAAADn5uYKAAAAACgAAAAoAAAAZAAAAGQAAAAAAAAAzMzMAAAAAABQAAAAUAAAAGQAAABkAAAAAAAAABcAAAAUAAAAAAAAAAAAAAD/fwAA/38AAAAAAAAJAAAABAAAALsAAAAeAAAAaAAAAAAAAAAAAAAAAAAAAAAAAAAAAAAAECcAABAnAAAAAAAAAAAAAAAAAAAAAAAAAAAAAAAAAAAAAAAAAAAAABQAAAAAAAAAwMD/AAAAAABkAAAAMgAAAAAAAABkAAAAAAAAAH9/fwAKAAAAIgAAABgAAAAAAAAAAAAAAAAAAAAAAAAAAAAAAAAAAAAkAAAAJAAAAAAAAAAHAAAAAAAAAAAAAAAAAAAAAAAAAAAAAAAAAAAAf39/ACUAAABYAAAAAAAAAAAAAAAAAAAAAAAAAAAAAAAAAAAAAAAAAAAAAAAAAAAAAAAAAAAAAAA/AAAAAAAAAKCGAQAAAAAAAAAAAAAAAAAMAAAAAQAAAAAAAAAAAAAAAAAAAB8AAABUAAAAAAAABQAAAAEAAAAAAAAAAAAAAAAAAAAAAAAAAAAAAAAAAAAAAAAAAAAAAAJ/f38AAAAAA8zMzADAwP8Af39/AAAAAAAAAAAAAAAAAAAAAAAAAAAAIQAAABgAAAAUAAAAZTEAAN8JAAAhRwAAihUAABAAAAAmAAAACAAAAD0gAAAAAAAA"/>
               </a:ext>
             </a:extLst>
           </p:cNvSpPr>
@@ -780,7 +783,7 @@
             <a:spLocks noGrp="1" noChangeArrowheads="1"/>
             <a:extLst>
               <a:ext uri="smNativeData">
-                <pr:smNativeData xmlns="smNativeData" xmlns:pr="smNativeData" xmlns:p15="http://schemas.microsoft.com/office/powerpoint/2012/main" xmlns:p14="http://schemas.microsoft.com/office/powerpoint/2010/main" xmlns:mc="http://schemas.openxmlformats.org/markup-compatibility/2006" val="SMDATA_15_q5OGZBMAAAAlAAAAZAAAAA0AAAAAAAAAAAAAAAAAAAAAAAAAAAAAAAAAAAAAAAAAAAEAAABQAAAAAAAAAAAA4D8AAAAAAADgPwAAAAAAAOA/AAAAAAAA4D8AAAAAAADgPwAAAAAAAOA/AAAAAAAA4D8AAAAAAADgPwAAAAAAAOA/AAAAAAAA4D8CAAAAjAAAAAAAAAAAAAAARHLEDP///wgAAAAAAAAAAAAAAAAAAAAAAAAAAAAAAAAAAAAAZAAAAAEAAABAAAAAAAAAAAAAAAAAAAAAAAAAAAAAAAAAAAAAAAAAAAAAAAAAAAAAAAAAAAAAAAAAAAAAAAAAAAAAAAAAAAAAAAAAAAAAAAAAAAAAAAAAAAAAAAAAAAAAFAAAADwAAAAAAAAAAAAAAAAAAAkUAAAAAQAAABQAAAAUAAAAFAAAAAEAAAAAAAAAZAAAAGQAAAAAAAAAZAAAAGQAAAAVAAAAYAAAAAAAAAAAAAAADwAAACADAAAAAAAAAAAAAAEAAACgMgAAVgcAAKr4//8BAAAAf39/AAEAAABkAAAAAAAAABQAAABAHwAAAAAAACYAAAAAAAAAwOD//wAAAAAmAAAAZAAAABYAAABMAAAAAAAAAAAAAAAEAAAAAAAAAAEAAADn5uYKAAAAACgAAAAoAAAAZAAAAGQAAAAAAAAAzMzMAAAAAABQAAAAUAAAAGQAAABkAAAAAAAAABcAAAAUAAAAAAAAAAAAAAD/fwAA/38AAAAAAAAJAAAABAAAALsAAAAeAAAAaAAAAAAAAAAAAAAAAAAAAAAAAAAAAAAAECcAABAnAAAAAAAAAAAAAAAAAAAAAAAAAAAAAAAAAAAAAAAAAAAAABQAAAAAAAAAwMD/AAAAAABkAAAAMgAAAAAAAABkAAAAAAAAAH9/fwAKAAAAIgAAABgAAAAAAAAAAAAAAAAAAAAAAAAAAAAAAAAAAAAkAAAAJAAAAAAAAAAHAAAAAAAAAAAAAAAAAAAAAAAAAAAAAAAAAAAAf39/ACUAAABYAAAAAAAAAAAAAAAAAAAAAAAAAAAAAAAAAAAAAAAAAAAAAAAAAAAAAAAAAAAAAAA/AAAAAAAAAKCGAQAAAAAAAAAAAAAAAAAMAAAAAQAAAAAAAAAAAAAAAAAAAB8AAABUAAAAAAAABQAAAAEAAAAAAAAAAAAAAAAAAAAAAAAAAAAAAAAAAAAAAAAAAAAAAAJ/f38AAAAAA8zMzADAwP8Af39/AAAAAAAAAAAAAAAAAAAAAAAAAAAAIQAAABgAAAAUAAAAwAMAAKcWAAB8GQAAUiIAABAAAAAmAAAACAAAAD0gAAAAAAAA"/>
+                <pr:smNativeData xmlns:mc="http://schemas.openxmlformats.org/markup-compatibility/2006" xmlns:p14="http://schemas.microsoft.com/office/powerpoint/2010/main" xmlns:p15="http://schemas.microsoft.com/office/powerpoint/2012/main" xmlns:pr="smNativeData" xmlns="smNativeData" val="SMDATA_15_q5OGZBMAAAAlAAAAZAAAAA0AAAAAAAAAAAAAAAAAAAAAAAAAAAAAAAAAAAAAAAAAAAEAAABQAAAAAAAAAAAA4D8AAAAAAADgPwAAAAAAAOA/AAAAAAAA4D8AAAAAAADgPwAAAAAAAOA/AAAAAAAA4D8AAAAAAADgPwAAAAAAAOA/AAAAAAAA4D8CAAAAjAAAAAAAAAAAAAAARHLEDP///wgAAAAAAAAAAAAAAAAAAAAAAAAAAAAAAAAAAAAAZAAAAAEAAABAAAAAAAAAAAAAAAAAAAAAAAAAAAAAAAAAAAAAAAAAAAAAAAAAAAAAAAAAAAAAAAAAAAAAAAAAAAAAAAAAAAAAAAAAAAAAAAAAAAAAAAAAAAAAAAAAAAAAFAAAADwAAAAAAAAAAAAAAAAAAAkUAAAAAQAAABQAAAAUAAAAFAAAAAEAAAAAAAAAZAAAAGQAAAAAAAAAZAAAAGQAAAAVAAAAYAAAAAAAAAAAAAAADwAAACADAAAAAAAAAAAAAAEAAACgMgAAVgcAAKr4//8BAAAAf39/AAEAAABkAAAAAAAAABQAAABAHwAAAAAAACYAAAAAAAAAwOD//wAAAAAmAAAAZAAAABYAAABMAAAAAAAAAAAAAAAEAAAAAAAAAAEAAADn5uYKAAAAACgAAAAoAAAAZAAAAGQAAAAAAAAAzMzMAAAAAABQAAAAUAAAAGQAAABkAAAAAAAAABcAAAAUAAAAAAAAAAAAAAD/fwAA/38AAAAAAAAJAAAABAAAALsAAAAeAAAAaAAAAAAAAAAAAAAAAAAAAAAAAAAAAAAAECcAABAnAAAAAAAAAAAAAAAAAAAAAAAAAAAAAAAAAAAAAAAAAAAAABQAAAAAAAAAwMD/AAAAAABkAAAAMgAAAAAAAABkAAAAAAAAAH9/fwAKAAAAIgAAABgAAAAAAAAAAAAAAAAAAAAAAAAAAAAAAAAAAAAkAAAAJAAAAAAAAAAHAAAAAAAAAAAAAAAAAAAAAAAAAAAAAAAAAAAAf39/ACUAAABYAAAAAAAAAAAAAAAAAAAAAAAAAAAAAAAAAAAAAAAAAAAAAAAAAAAAAAAAAAAAAAA/AAAAAAAAAKCGAQAAAAAAAAAAAAAAAAAMAAAAAQAAAAAAAAAAAAAAAAAAAB8AAABUAAAAAAAABQAAAAEAAAAAAAAAAAAAAAAAAAAAAAAAAAAAAAAAAAAAAAAAAAAAAAJ/f38AAAAAA8zMzADAwP8Af39/AAAAAAAAAAAAAAAAAAAAAAAAAAAAIQAAABgAAAAUAAAAwAMAAKcWAAB8GQAAUiIAABAAAAAmAAAACAAAAD0gAAAAAAAA"/>
               </a:ext>
             </a:extLst>
           </p:cNvSpPr>
@@ -816,7 +819,7 @@
             <a:spLocks noGrp="1" noChangeArrowheads="1"/>
             <a:extLst>
               <a:ext uri="smNativeData">
-                <pr:smNativeData xmlns="smNativeData" xmlns:pr="smNativeData" xmlns:p15="http://schemas.microsoft.com/office/powerpoint/2012/main" xmlns:p14="http://schemas.microsoft.com/office/powerpoint/2010/main" xmlns:mc="http://schemas.openxmlformats.org/markup-compatibility/2006" val="SMDATA_15_q5OGZBMAAAAlAAAAZAAAAA0AAAAAAAAAAAAAAAAAAAAAAAAAAAAAAAAAAAAAAAAAAAEAAABQAAAAAAAAAAAA4D8AAAAAAADgPwAAAAAAAOA/AAAAAAAA4D8AAAAAAADgPwAAAAAAAOA/AAAAAAAA4D8AAAAAAADgPwAAAAAAAOA/AAAAAAAA4D8CAAAAjAAAAAAAAAAAAAAARHLEDP///wgAAAAAAAAAAAAAAAAAAAAAAAAAAAAAAAAAAAAAZAAAAAEAAABAAAAAAAAAAAAAAAAAAAAAAAAAAAAAAAAAAAAAAAAAAAAAAAAAAAAAAAAAAAAAAAAAAAAAAAAAAAAAAAAAAAAAAAAAAAAAAAAAAAAAAAAAAAAAAAAAAAAAFAAAADwAAAAAAAAAAAAAAAAAAAkUAAAAAQAAABQAAAAUAAAAFAAAAAEAAAAAAAAAZAAAAGQAAAAAAAAAZAAAAGQAAAAVAAAAYAAAAAAAAAAAAAAADwAAACADAAAAAAAAAAAAAAEAAACgMgAAVgcAAKr4//8BAAAAf39/AAEAAABkAAAAAAAAABQAAABAHwAAAAAAACYAAAAAAAAAwOD//wAAAAAmAAAAZAAAABYAAABMAAAAAAAAAAAAAAAEAAAAAAAAAAEAAADn5uYKAAAAACgAAAAoAAAAZAAAAGQAAAAAAAAAzMzMAAAAAABQAAAAUAAAAGQAAABkAAAAAAAAABcAAAAUAAAAAAAAAAAAAAD/fwAA/38AAAAAAAAJAAAABAAAAAAAAAAeAAAAaAAAAAAAAAAAAAAAAAAAAAAAAAAAAAAAECcAABAnAAAAAAAAAAAAAAAAAAAAAAAAAAAAAAAAAAAAAAAAAAAAABQAAAAAAAAAwMD/AAAAAABkAAAAMgAAAAAAAABkAAAAAAAAAH9/fwAKAAAAIgAAABgAAAAAAAAAAAAAAAAAAAAAAAAAAAAAAAAAAAAkAAAAJAAAAAAAAAAHAAAAAAAAAAAAAAAAAAAAAAAAAAAAAAAAAAAAf39/ACUAAABYAAAAAAAAAAAAAAAAAAAAAAAAAAAAAAAAAAAAAAAAAAAAAAAAAAAAAAAAAAAAAAA/AAAAAAAAAKCGAQAAAAAAAAAAAAAAAAAMAAAAAQAAAAAAAAAAAAAAAAAAAB8AAABUAAAAAAAABQAAAAEAAAAAAAAAAAAAAAAAAAAAAAAAAAAAAAAAAAAAAAAAAAAAAAJ/f38AAAAAA8zMzADAwP8Af39/AAAAAAAAAAAAAAAAAAAAAAAAAAAAIQAAABgAAAAUAAAAkxoAAKcWAABOMAAAUiIAABAAAAAmAAAACAAAAD0gAAAAAAAA"/>
+                <pr:smNativeData xmlns:mc="http://schemas.openxmlformats.org/markup-compatibility/2006" xmlns:p14="http://schemas.microsoft.com/office/powerpoint/2010/main" xmlns:p15="http://schemas.microsoft.com/office/powerpoint/2012/main" xmlns:pr="smNativeData" xmlns="smNativeData" val="SMDATA_15_q5OGZBMAAAAlAAAAZAAAAA0AAAAAAAAAAAAAAAAAAAAAAAAAAAAAAAAAAAAAAAAAAAEAAABQAAAAAAAAAAAA4D8AAAAAAADgPwAAAAAAAOA/AAAAAAAA4D8AAAAAAADgPwAAAAAAAOA/AAAAAAAA4D8AAAAAAADgPwAAAAAAAOA/AAAAAAAA4D8CAAAAjAAAAAAAAAAAAAAARHLEDP///wgAAAAAAAAAAAAAAAAAAAAAAAAAAAAAAAAAAAAAZAAAAAEAAABAAAAAAAAAAAAAAAAAAAAAAAAAAAAAAAAAAAAAAAAAAAAAAAAAAAAAAAAAAAAAAAAAAAAAAAAAAAAAAAAAAAAAAAAAAAAAAAAAAAAAAAAAAAAAAAAAAAAAFAAAADwAAAAAAAAAAAAAAAAAAAkUAAAAAQAAABQAAAAUAAAAFAAAAAEAAAAAAAAAZAAAAGQAAAAAAAAAZAAAAGQAAAAVAAAAYAAAAAAAAAAAAAAADwAAACADAAAAAAAAAAAAAAEAAACgMgAAVgcAAKr4//8BAAAAf39/AAEAAABkAAAAAAAAABQAAABAHwAAAAAAACYAAAAAAAAAwOD//wAAAAAmAAAAZAAAABYAAABMAAAAAAAAAAAAAAAEAAAAAAAAAAEAAADn5uYKAAAAACgAAAAoAAAAZAAAAGQAAAAAAAAAzMzMAAAAAABQAAAAUAAAAGQAAABkAAAAAAAAABcAAAAUAAAAAAAAAAAAAAD/fwAA/38AAAAAAAAJAAAABAAAAAAAAAAeAAAAaAAAAAAAAAAAAAAAAAAAAAAAAAAAAAAAECcAABAnAAAAAAAAAAAAAAAAAAAAAAAAAAAAAAAAAAAAAAAAAAAAABQAAAAAAAAAwMD/AAAAAABkAAAAMgAAAAAAAABkAAAAAAAAAH9/fwAKAAAAIgAAABgAAAAAAAAAAAAAAAAAAAAAAAAAAAAAAAAAAAAkAAAAJAAAAAAAAAAHAAAAAAAAAAAAAAAAAAAAAAAAAAAAAAAAAAAAf39/ACUAAABYAAAAAAAAAAAAAAAAAAAAAAAAAAAAAAAAAAAAAAAAAAAAAAAAAAAAAAAAAAAAAAA/AAAAAAAAAKCGAQAAAAAAAAAAAAAAAAAMAAAAAQAAAAAAAAAAAAAAAAAAAB8AAABUAAAAAAAABQAAAAEAAAAAAAAAAAAAAAAAAAAAAAAAAAAAAAAAAAAAAAAAAAAAAAJ/f38AAAAAA8zMzADAwP8Af39/AAAAAAAAAAAAAAAAAAAAAAAAAAAAIQAAABgAAAAUAAAAkxoAAKcWAABOMAAAUiIAABAAAAAmAAAACAAAAD0gAAAAAAAA"/>
               </a:ext>
             </a:extLst>
           </p:cNvSpPr>
@@ -852,7 +855,7 @@
             <a:spLocks noGrp="1" noChangeArrowheads="1"/>
             <a:extLst>
               <a:ext uri="smNativeData">
-                <pr:smNativeData xmlns="smNativeData" xmlns:pr="smNativeData" xmlns:p15="http://schemas.microsoft.com/office/powerpoint/2012/main" xmlns:p14="http://schemas.microsoft.com/office/powerpoint/2010/main" xmlns:mc="http://schemas.openxmlformats.org/markup-compatibility/2006" val="SMDATA_15_q5OGZBMAAAAlAAAAZAAAAA0AAAAAAAAAAAAAAAAAAAAAAAAAAAAAAAAAAAAAAAAAAAEAAABQAAAAAAAAAAAA4D8AAAAAAADgPwAAAAAAAOA/AAAAAAAA4D8AAAAAAADgPwAAAAAAAOA/AAAAAAAA4D8AAAAAAADgPwAAAAAAAOA/AAAAAAAA4D8CAAAAjAAAAAAAAAAAAAAARHLEDP///wgAAAAAAAAAAAAAAAAAAAAAAAAAAAAAAAAAAAAAZAAAAAEAAABAAAAAAAAAAAAAAAAAAAAAAAAAAAAAAAAAAAAAAAAAAAAAAAAAAAAAAAAAAAAAAAAAAAAAAAAAAAAAAAAAAAAAAAAAAAAAAAAAAAAAAAAAAAAAAAAAAAAAFAAAADwAAAAAAAAAAAAAAAAAAAkUAAAAAQAAABQAAAAUAAAAFAAAAAEAAAAAAAAAZAAAAGQAAAAAAAAAZAAAAGQAAAAVAAAAYAAAAAAAAAAAAAAADwAAACADAAAAAAAAAAAAAAEAAACgMgAAVgcAAKr4//8BAAAAf39/AAEAAABkAAAAAAAAABQAAABAHwAAAAAAACYAAAAAAAAAwOD//wAAAAAmAAAAZAAAABYAAABMAAAAAAAAAAAAAAAEAAAAAAAAAAEAAADn5uYKAAAAACgAAAAoAAAAZAAAAGQAAAAAAAAAzMzMAAAAAABQAAAAUAAAAGQAAABkAAAAAAAAABcAAAAUAAAAAAAAAAAAAAD/fwAA/38AAAAAAAAJAAAABAAAABC7ygseAAAAaAAAAAAAAAAAAAAAAAAAAAAAAAAAAAAAECcAABAnAAAAAAAAAAAAAAAAAAAAAAAAAAAAAAAAAAAAAAAAAAAAABQAAAAAAAAAwMD/AAAAAABkAAAAMgAAAAAAAABkAAAAAAAAAH9/fwAKAAAAIgAAABgAAAAAAAAAAAAAAAAAAAAAAAAAAAAAAAAAAAAkAAAAJAAAAAAAAAAHAAAAAAAAAAAAAAAAAAAAAAAAAAAAAAAAAAAAf39/ACUAAABYAAAAAAAAAAAAAAAAAAAAAAAAAAAAAAAAAAAAAAAAAAAAAAAAAAAAAAAAAAAAAAA/AAAAAAAAAKCGAQAAAAAAAAAAAAAAAAAMAAAAAQAAAAAAAAAAAAAAAAAAAB8AAABUAAAAAAAABQAAAAEAAAAAAAAAAAAAAAAAAAAAAAAAAAAAAAAAAAAAAAAAAAAAAAJ/f38AAAAAA8zMzADAwP8Af39/AAAAAAAAAAAAAAAAAAAAAAAAAAAAIQAAABgAAAAUAAAAZTEAAKcWAAAhRwAAUiIAABAAAAAmAAAACAAAAD0gAAAAAAAA"/>
+                <pr:smNativeData xmlns:mc="http://schemas.openxmlformats.org/markup-compatibility/2006" xmlns:p14="http://schemas.microsoft.com/office/powerpoint/2010/main" xmlns:p15="http://schemas.microsoft.com/office/powerpoint/2012/main" xmlns:pr="smNativeData" xmlns="smNativeData" val="SMDATA_15_q5OGZBMAAAAlAAAAZAAAAA0AAAAAAAAAAAAAAAAAAAAAAAAAAAAAAAAAAAAAAAAAAAEAAABQAAAAAAAAAAAA4D8AAAAAAADgPwAAAAAAAOA/AAAAAAAA4D8AAAAAAADgPwAAAAAAAOA/AAAAAAAA4D8AAAAAAADgPwAAAAAAAOA/AAAAAAAA4D8CAAAAjAAAAAAAAAAAAAAARHLEDP///wgAAAAAAAAAAAAAAAAAAAAAAAAAAAAAAAAAAAAAZAAAAAEAAABAAAAAAAAAAAAAAAAAAAAAAAAAAAAAAAAAAAAAAAAAAAAAAAAAAAAAAAAAAAAAAAAAAAAAAAAAAAAAAAAAAAAAAAAAAAAAAAAAAAAAAAAAAAAAAAAAAAAAFAAAADwAAAAAAAAAAAAAAAAAAAkUAAAAAQAAABQAAAAUAAAAFAAAAAEAAAAAAAAAZAAAAGQAAAAAAAAAZAAAAGQAAAAVAAAAYAAAAAAAAAAAAAAADwAAACADAAAAAAAAAAAAAAEAAACgMgAAVgcAAKr4//8BAAAAf39/AAEAAABkAAAAAAAAABQAAABAHwAAAAAAACYAAAAAAAAAwOD//wAAAAAmAAAAZAAAABYAAABMAAAAAAAAAAAAAAAEAAAAAAAAAAEAAADn5uYKAAAAACgAAAAoAAAAZAAAAGQAAAAAAAAAzMzMAAAAAABQAAAAUAAAAGQAAABkAAAAAAAAABcAAAAUAAAAAAAAAAAAAAD/fwAA/38AAAAAAAAJAAAABAAAABC7ygseAAAAaAAAAAAAAAAAAAAAAAAAAAAAAAAAAAAAECcAABAnAAAAAAAAAAAAAAAAAAAAAAAAAAAAAAAAAAAAAAAAAAAAABQAAAAAAAAAwMD/AAAAAABkAAAAMgAAAAAAAABkAAAAAAAAAH9/fwAKAAAAIgAAABgAAAAAAAAAAAAAAAAAAAAAAAAAAAAAAAAAAAAkAAAAJAAAAAAAAAAHAAAAAAAAAAAAAAAAAAAAAAAAAAAAAAAAAAAAf39/ACUAAABYAAAAAAAAAAAAAAAAAAAAAAAAAAAAAAAAAAAAAAAAAAAAAAAAAAAAAAAAAAAAAAA/AAAAAAAAAKCGAQAAAAAAAAAAAAAAAAAMAAAAAQAAAAAAAAAAAAAAAAAAAB8AAABUAAAAAAAABQAAAAEAAAAAAAAAAAAAAAAAAAAAAAAAAAAAAAAAAAAAAAAAAAAAAAJ/f38AAAAAA8zMzADAwP8Af39/AAAAAAAAAAAAAAAAAAAAAAAAAAAAIQAAABgAAAAUAAAAZTEAAKcWAAAhRwAAUiIAABAAAAAmAAAACAAAAD0gAAAAAAAA"/>
               </a:ext>
             </a:extLst>
           </p:cNvSpPr>
@@ -938,7 +941,7 @@
             <a:spLocks noGrp="1" noChangeArrowheads="1"/>
             <a:extLst>
               <a:ext uri="smNativeData">
-                <pr:smNativeData xmlns="smNativeData" xmlns:pr="smNativeData" xmlns:p15="http://schemas.microsoft.com/office/powerpoint/2012/main" xmlns:p14="http://schemas.microsoft.com/office/powerpoint/2010/main" xmlns:mc="http://schemas.openxmlformats.org/markup-compatibility/2006" val="SMDATA_15_q5OGZBMAAAAlAAAAZAAAAA0AAAAAAAAAAAAAAAAAAAAAAAAAAAAAAAABAAAAAAAAAAEAAABQAAAAAAAAAAAA4D8AAAAAAADgPwAAAAAAAOA/AAAAAAAA4D8AAAAAAADgPwAAAAAAAOA/AAAAAAAA4D8AAAAAAADgPwAAAAAAAOA/AAAAAAAA4D8CAAAAjAAAAAAAAAAAAAAARHLEDP///wgAAAAAAAAAAAAAAAAAAAAAAAAAAAAAAAAAAAAAZAAAAAEAAABAAAAAAAAAAAAAAAAAAAAAAAAAAAAAAAAAAAAAAAAAAAAAAAAAAAAAAAAAAAAAAAAAAAAAAAAAAAAAAAAAAAAAAAAAAAAAAAAAAAAAAAAAAAAAAAAAAAAAFAAAADwAAAAAAAAAAAAAAAAAAAkUAAAAAQAAABQAAAAUAAAAFAAAAAEAAAAAAAAAZAAAAGQAAAAAAAAAZAAAAGQAAAAVAAAAYAAAAAAAAAAAAAAADwAAACADAAAAAAAAAAAAAAEAAACgMgAAVgcAAKr4//8BAAAAf39/AAEAAABkAAAAAAAAABQAAABAHwAAAAAAACYAAAAAAAAAwOD//wAAAAAmAAAAZAAAABYAAABMAAAAAAAAAAAAAAAEAAAAAAAAAAEAAADn5uYKAAAAACgAAAAoAAAAZAAAAGQAAAAAAAAAzMzMAAAAAABQAAAAUAAAAGQAAABkAAAAAAAAABcAAAAUAAAAAAAAAAAAAAD/fwAA/38AAAAAAAAJAAAABAAAAPz///8eAAAAaAAAAAAAAAAAAAAAAAAAAAAAAAAAAAAAECcAABAnAAAAAAAAAAAAAAAAAAAAAAAAAAAAAAAAAAAAAAAAAAAAABQAAAAAAAAAwMD/AAAAAABkAAAAMgAAAAAAAABkAAAAAAAAAH9/fwAKAAAAIgAAABgAAAAAAAAAAAAAAAAAAAAAAAAAAAAAAAAAAAAkAAAAJAAAAAAAAAAHAAAAAAAAAAAAAAAAAAAAAAAAAAAAAAAAAAAAf39/ACUAAABYAAAAAAAAAAAAAAAAAAAAAAAAAAAAAAAAAAAAAAAAAAAAAAAAAAAAAAAAAAAAAAA/AAAAAAAAAKCGAQAAAAAAAAAAAAAAAAAMAAAAAQAAAAAAAAAAAAAAAAAAAB8AAABUAAAAAAAABQAAAAEAAAAAAAAAAAAAAAAAAAAAAAAAAAAAAAAAAAAAAAAAAAAAAAJ/f38AAAAAA8zMzADAwP8Af39/AAAAAAAAAAAAAAAAAAAAAAAAAAAAIQAAABgAAAAUAAAAwAMAAK8BAAA/RwAAuggAABAAAAAmAAAACAAAAD0gAAAAAAAA"/>
+                <pr:smNativeData xmlns:mc="http://schemas.openxmlformats.org/markup-compatibility/2006" xmlns:p14="http://schemas.microsoft.com/office/powerpoint/2010/main" xmlns:p15="http://schemas.microsoft.com/office/powerpoint/2012/main" xmlns:pr="smNativeData" xmlns="smNativeData" val="SMDATA_15_q5OGZBMAAAAlAAAAZAAAAA0AAAAAAAAAAAAAAAAAAAAAAAAAAAAAAAABAAAAAAAAAAEAAABQAAAAAAAAAAAA4D8AAAAAAADgPwAAAAAAAOA/AAAAAAAA4D8AAAAAAADgPwAAAAAAAOA/AAAAAAAA4D8AAAAAAADgPwAAAAAAAOA/AAAAAAAA4D8CAAAAjAAAAAAAAAAAAAAARHLEDP///wgAAAAAAAAAAAAAAAAAAAAAAAAAAAAAAAAAAAAAZAAAAAEAAABAAAAAAAAAAAAAAAAAAAAAAAAAAAAAAAAAAAAAAAAAAAAAAAAAAAAAAAAAAAAAAAAAAAAAAAAAAAAAAAAAAAAAAAAAAAAAAAAAAAAAAAAAAAAAAAAAAAAAFAAAADwAAAAAAAAAAAAAAAAAAAkUAAAAAQAAABQAAAAUAAAAFAAAAAEAAAAAAAAAZAAAAGQAAAAAAAAAZAAAAGQAAAAVAAAAYAAAAAAAAAAAAAAADwAAACADAAAAAAAAAAAAAAEAAACgMgAAVgcAAKr4//8BAAAAf39/AAEAAABkAAAAAAAAABQAAABAHwAAAAAAACYAAAAAAAAAwOD//wAAAAAmAAAAZAAAABYAAABMAAAAAAAAAAAAAAAEAAAAAAAAAAEAAADn5uYKAAAAACgAAAAoAAAAZAAAAGQAAAAAAAAAzMzMAAAAAABQAAAAUAAAAGQAAABkAAAAAAAAABcAAAAUAAAAAAAAAAAAAAD/fwAA/38AAAAAAAAJAAAABAAAAPz///8eAAAAaAAAAAAAAAAAAAAAAAAAAAAAAAAAAAAAECcAABAnAAAAAAAAAAAAAAAAAAAAAAAAAAAAAAAAAAAAAAAAAAAAABQAAAAAAAAAwMD/AAAAAABkAAAAMgAAAAAAAABkAAAAAAAAAH9/fwAKAAAAIgAAABgAAAAAAAAAAAAAAAAAAAAAAAAAAAAAAAAAAAAkAAAAJAAAAAAAAAAHAAAAAAAAAAAAAAAAAAAAAAAAAAAAAAAAAAAAf39/ACUAAABYAAAAAAAAAAAAAAAAAAAAAAAAAAAAAAAAAAAAAAAAAAAAAAAAAAAAAAAAAAAAAAA/AAAAAAAAAKCGAQAAAAAAAAAAAAAAAAAMAAAAAQAAAAAAAAAAAAAAAAAAAB8AAABUAAAAAAAABQAAAAEAAAAAAAAAAAAAAAAAAAAAAAAAAAAAAAAAAAAAAAAAAAAAAAJ/f38AAAAAA8zMzADAwP8Af39/AAAAAAAAAAAAAAAAAAAAAAAAAAAAIQAAABgAAAAUAAAAwAMAAK8BAAA/RwAAuggAABAAAAAmAAAACAAAAD0gAAAAAAAA"/>
               </a:ext>
             </a:extLst>
           </p:cNvSpPr>
@@ -974,7 +977,7 @@
             <a:spLocks noGrp="1" noChangeArrowheads="1"/>
             <a:extLst>
               <a:ext uri="smNativeData">
-                <pr:smNativeData xmlns="smNativeData" xmlns:pr="smNativeData" xmlns:p15="http://schemas.microsoft.com/office/powerpoint/2012/main" xmlns:p14="http://schemas.microsoft.com/office/powerpoint/2010/main" xmlns:mc="http://schemas.openxmlformats.org/markup-compatibility/2006" val="SMDATA_15_q5OGZBMAAAAlAAAAZAAAAA0AAAAAAAAAAAAAAAAAAAAAAAAAAAAAAAABAAAAAAAAAAEAAABQAAAAAAAAAAAA4D8AAAAAAADgPwAAAAAAAOA/AAAAAAAA4D8AAAAAAADgPwAAAAAAAOA/AAAAAAAA4D8AAAAAAADgPwAAAAAAAOA/AAAAAAAA4D8CAAAAjAAAAAAAAAAAAAAARHLEDP///wgAAAAAAAAAAAAAAAAAAAAAAAAAAAAAAAAAAAAAZAAAAAEAAABAAAAAAAAAAAAAAAAAAAAAAAAAAAAAAAAAAAAAAAAAAAAAAAAAAAAAAAAAAAAAAAAAAAAAAAAAAAAAAAAAAAAAAAAAAAAAAAAAAAAAAAAAAAAAAAAAAAAAFAAAADwAAAAAAAAAAAAAAAAAAAkUAAAAAQAAABQAAAAUAAAAFAAAAAEAAAAAAAAAZAAAAGQAAAAAAAAAZAAAAGQAAAAVAAAAYAAAAAAAAAAAAAAADwAAACADAAAAAAAAAAAAAAEAAACgMgAAVgcAAKr4//8BAAAAf39/AAEAAABkAAAAAAAAABQAAABAHwAAAAAAACYAAAAAAAAAwOD//wAAAAAmAAAAZAAAABYAAABMAAAAAAAAAAAAAAAEAAAAAAAAAAEAAADn5uYKAAAAACgAAAAoAAAAZAAAAGQAAAAAAAAAzMzMAAAAAABQAAAAUAAAAGQAAABkAAAAAAAAABcAAAAUAAAAAAAAAAAAAAD/fwAA/38AAAAAAAAJAAAABAAAAAAAAAAeAAAAaAAAAAAAAAAAAAAAAAAAAAAAAAAAAAAAECcAABAnAAAAAAAAAAAAAAAAAAAAAAAAAAAAAAAAAAAAAAAAAAAAABQAAAAAAAAAwMD/AAAAAABkAAAAMgAAAAAAAABkAAAAAAAAAH9/fwAKAAAAIgAAABgAAAAAAAAAAAAAAAAAAAAAAAAAAAAAAAAAAAAkAAAAJAAAAAAAAAAHAAAAAAAAAAAAAAAAAAAAAAAAAAAAAAAAAAAAf39/ACUAAABYAAAAAAAAAAAAAAAAAAAAAAAAAAAAAAAAAAAAAAAAAAAAAAAAAAAAAAAAAAAAAAA/AAAAAAAAAKCGAQAAAAAAAAAAAAAAAAAMAAAAAQAAAAAAAAAAAAAAAAAAAB8AAABUAAAAAAAABQAAAAEAAAAAAAAAAAAAAAAAAAAAAAAAAAAAAAAAAAAAAAAAAAAAAAJ/f38AAAAAA8zMzADAwP8Af39/AAAAAAAAAAAAAAAAAAAAAAAAAAAAIQAAABgAAAAUAAAAwAMAAN8JAAA/RwAAViIAABAAAAAmAAAACAAAALwgAAAAAAAA"/>
+                <pr:smNativeData xmlns:mc="http://schemas.openxmlformats.org/markup-compatibility/2006" xmlns:p14="http://schemas.microsoft.com/office/powerpoint/2010/main" xmlns:p15="http://schemas.microsoft.com/office/powerpoint/2012/main" xmlns:pr="smNativeData" xmlns="smNativeData" val="SMDATA_15_q5OGZBMAAAAlAAAAZAAAAA0AAAAAAAAAAAAAAAAAAAAAAAAAAAAAAAABAAAAAAAAAAEAAABQAAAAAAAAAAAA4D8AAAAAAADgPwAAAAAAAOA/AAAAAAAA4D8AAAAAAADgPwAAAAAAAOA/AAAAAAAA4D8AAAAAAADgPwAAAAAAAOA/AAAAAAAA4D8CAAAAjAAAAAAAAAAAAAAARHLEDP///wgAAAAAAAAAAAAAAAAAAAAAAAAAAAAAAAAAAAAAZAAAAAEAAABAAAAAAAAAAAAAAAAAAAAAAAAAAAAAAAAAAAAAAAAAAAAAAAAAAAAAAAAAAAAAAAAAAAAAAAAAAAAAAAAAAAAAAAAAAAAAAAAAAAAAAAAAAAAAAAAAAAAAFAAAADwAAAAAAAAAAAAAAAAAAAkUAAAAAQAAABQAAAAUAAAAFAAAAAEAAAAAAAAAZAAAAGQAAAAAAAAAZAAAAGQAAAAVAAAAYAAAAAAAAAAAAAAADwAAACADAAAAAAAAAAAAAAEAAACgMgAAVgcAAKr4//8BAAAAf39/AAEAAABkAAAAAAAAABQAAABAHwAAAAAAACYAAAAAAAAAwOD//wAAAAAmAAAAZAAAABYAAABMAAAAAAAAAAAAAAAEAAAAAAAAAAEAAADn5uYKAAAAACgAAAAoAAAAZAAAAGQAAAAAAAAAzMzMAAAAAABQAAAAUAAAAGQAAABkAAAAAAAAABcAAAAUAAAAAAAAAAAAAAD/fwAA/38AAAAAAAAJAAAABAAAAAAAAAAeAAAAaAAAAAAAAAAAAAAAAAAAAAAAAAAAAAAAECcAABAnAAAAAAAAAAAAAAAAAAAAAAAAAAAAAAAAAAAAAAAAAAAAABQAAAAAAAAAwMD/AAAAAABkAAAAMgAAAAAAAABkAAAAAAAAAH9/fwAKAAAAIgAAABgAAAAAAAAAAAAAAAAAAAAAAAAAAAAAAAAAAAAkAAAAJAAAAAAAAAAHAAAAAAAAAAAAAAAAAAAAAAAAAAAAAAAAAAAAf39/ACUAAABYAAAAAAAAAAAAAAAAAAAAAAAAAAAAAAAAAAAAAAAAAAAAAAAAAAAAAAAAAAAAAAA/AAAAAAAAAKCGAQAAAAAAAAAAAAAAAAAMAAAAAQAAAAAAAAAAAAAAAAAAAB8AAABUAAAAAAAABQAAAAEAAAAAAAAAAAAAAAAAAAAAAAAAAAAAAAAAAAAAAAAAAAAAAAJ/f38AAAAAA8zMzADAwP8Af39/AAAAAAAAAAAAAAAAAAAAAAAAAAAAIQAAABgAAAAUAAAAwAMAAN8JAAA/RwAAViIAABAAAAAmAAAACAAAALwgAAAAAAAA"/>
               </a:ext>
             </a:extLst>
           </p:cNvSpPr>
@@ -1030,7 +1033,7 @@
             <a:spLocks noGrp="1" noChangeArrowheads="1"/>
             <a:extLst>
               <a:ext uri="smNativeData">
-                <pr:smNativeData xmlns="smNativeData" xmlns:pr="smNativeData" xmlns:p15="http://schemas.microsoft.com/office/powerpoint/2012/main" xmlns:p14="http://schemas.microsoft.com/office/powerpoint/2010/main" xmlns:mc="http://schemas.openxmlformats.org/markup-compatibility/2006" val="SMDATA_15_q5OGZBMAAAAlAAAAZAAAAA0AAAAAAAAAAAAAAAAAAAAAAAAAAAAAAAABAAAAAAAAAAEAAABQAAAAAAAAAAAA4D8AAAAAAADgPwAAAAAAAOA/AAAAAAAA4D8AAAAAAADgPwAAAAAAAOA/AAAAAAAA4D8AAAAAAADgPwAAAAAAAOA/AAAAAAAA4D8CAAAAjAAAAAAAAAAAAAAARHLEDP///wgAAAAAAAAAAAAAAAAAAAAAAAAAAAAAAAAAAAAAZAAAAAEAAABAAAAAAAAAAAAAAAAAAAAAAAAAAAAAAAAAAAAAAAAAAAAAAAAAAAAAAAAAAAAAAAAAAAAAAAAAAAAAAAAAAAAAAAAAAAAAAAAAAAAAAAAAAAAAAAAAAAAAFAAAADwAAAAAAAAAAAAAAAAAAAkUAAAAAQAAABQAAAAUAAAAFAAAAAEAAAAAAAAAZAAAAGQAAAAAAAAAZAAAAGQAAAAVAAAAYAAAAAAAAAAAAAAADwAAACADAAAAAAAAAAAAAAEAAACgMgAAVgcAAKr4//8BAAAAf39/AAEAAABkAAAAAAAAABQAAABAHwAAAAAAACYAAAAAAAAAwOD//wAAAAAmAAAAZAAAABYAAABMAAAAAAAAAAAAAAAEAAAAAAAAAAEAAADn5uYKAAAAACgAAAAoAAAAZAAAAGQAAAAAAAAAzMzMAAAAAABQAAAAUAAAAGQAAABkAAAAAAAAABcAAAAUAAAAAAAAAAAAAAD/fwAA/38AAAAAAAAJAAAABAAAAFDpcgAeAAAAaAAAAAAAAAAAAAAAAAAAAAAAAAAAAAAAECcAABAnAAAAAAAAAAAAAAAAAAAAAAAAAAAAAAAAAAAAAAAAAAAAABQAAAAAAAAAwMD/AAAAAABkAAAAMgAAAAAAAABkAAAAAAAAAH9/fwAKAAAAIgAAABgAAAAAAAAAAAAAAAAAAAAAAAAAAAAAAAAAAAAkAAAAJAAAAAAAAAAHAAAAAAAAAAAAAAAAAAAAAAAAAAAAAAAAAAAAf39/ACUAAABYAAAAAAAAAAAAAAAAAAAAAAAAAAAAAAAAAAAAAAAAAAAAAAAAAAAAAAAAAAAAAAA/AAAAAAAAAKCGAQAAAAAAAAAAAAAAAAAMAAAAAQAAAAAAAAAAAAAAAAAAAB8AAABUAAAAAAAABQAAAAEAAAAAAAAAAAAAAAAAAAAAAAAAAAAAAAAAAAAAAAAAAAAAAAJ/f38AAAAAA8zMzADAwP8Af39/AAAAAAAAAAAAAAAAAAAAAAAAAAAAIQAAABgAAAAUAAAAwAMAAK8BAAA/RwAAuggAABAAAAAmAAAACAAAAD0gAAAAAAAA"/>
+                <pr:smNativeData xmlns:mc="http://schemas.openxmlformats.org/markup-compatibility/2006" xmlns:p14="http://schemas.microsoft.com/office/powerpoint/2010/main" xmlns:p15="http://schemas.microsoft.com/office/powerpoint/2012/main" xmlns:pr="smNativeData" xmlns="smNativeData" val="SMDATA_15_q5OGZBMAAAAlAAAAZAAAAA0AAAAAAAAAAAAAAAAAAAAAAAAAAAAAAAABAAAAAAAAAAEAAABQAAAAAAAAAAAA4D8AAAAAAADgPwAAAAAAAOA/AAAAAAAA4D8AAAAAAADgPwAAAAAAAOA/AAAAAAAA4D8AAAAAAADgPwAAAAAAAOA/AAAAAAAA4D8CAAAAjAAAAAAAAAAAAAAARHLEDP///wgAAAAAAAAAAAAAAAAAAAAAAAAAAAAAAAAAAAAAZAAAAAEAAABAAAAAAAAAAAAAAAAAAAAAAAAAAAAAAAAAAAAAAAAAAAAAAAAAAAAAAAAAAAAAAAAAAAAAAAAAAAAAAAAAAAAAAAAAAAAAAAAAAAAAAAAAAAAAAAAAAAAAFAAAADwAAAAAAAAAAAAAAAAAAAkUAAAAAQAAABQAAAAUAAAAFAAAAAEAAAAAAAAAZAAAAGQAAAAAAAAAZAAAAGQAAAAVAAAAYAAAAAAAAAAAAAAADwAAACADAAAAAAAAAAAAAAEAAACgMgAAVgcAAKr4//8BAAAAf39/AAEAAABkAAAAAAAAABQAAABAHwAAAAAAACYAAAAAAAAAwOD//wAAAAAmAAAAZAAAABYAAABMAAAAAAAAAAAAAAAEAAAAAAAAAAEAAADn5uYKAAAAACgAAAAoAAAAZAAAAGQAAAAAAAAAzMzMAAAAAABQAAAAUAAAAGQAAABkAAAAAAAAABcAAAAUAAAAAAAAAAAAAAD/fwAA/38AAAAAAAAJAAAABAAAAFDpcgAeAAAAaAAAAAAAAAAAAAAAAAAAAAAAAAAAAAAAECcAABAnAAAAAAAAAAAAAAAAAAAAAAAAAAAAAAAAAAAAAAAAAAAAABQAAAAAAAAAwMD/AAAAAABkAAAAMgAAAAAAAABkAAAAAAAAAH9/fwAKAAAAIgAAABgAAAAAAAAAAAAAAAAAAAAAAAAAAAAAAAAAAAAkAAAAJAAAAAAAAAAHAAAAAAAAAAAAAAAAAAAAAAAAAAAAAAAAAAAAf39/ACUAAABYAAAAAAAAAAAAAAAAAAAAAAAAAAAAAAAAAAAAAAAAAAAAAAAAAAAAAAAAAAAAAAA/AAAAAAAAAKCGAQAAAAAAAAAAAAAAAAAMAAAAAQAAAAAAAAAAAAAAAAAAAB8AAABUAAAAAAAABQAAAAEAAAAAAAAAAAAAAAAAAAAAAAAAAAAAAAAAAAAAAAAAAAAAAAJ/f38AAAAAA8zMzADAwP8Af39/AAAAAAAAAAAAAAAAAAAAAAAAAAAAIQAAABgAAAAUAAAAwAMAAK8BAAA/RwAAuggAABAAAAAmAAAACAAAAD0gAAAAAAAA"/>
               </a:ext>
             </a:extLst>
           </p:cNvSpPr>
@@ -1066,7 +1069,7 @@
             <a:spLocks noGrp="1" noChangeArrowheads="1"/>
             <a:extLst>
               <a:ext uri="smNativeData">
-                <pr:smNativeData xmlns="smNativeData" xmlns:pr="smNativeData" xmlns:p15="http://schemas.microsoft.com/office/powerpoint/2012/main" xmlns:p14="http://schemas.microsoft.com/office/powerpoint/2010/main" xmlns:mc="http://schemas.openxmlformats.org/markup-compatibility/2006" val="SMDATA_15_q5OGZBMAAAAlAAAAZAAAAA0AAAAAAAAAAAAAAAAAAAAAAAAAAAAAAAAAAAAAAAAAAAEAAABQAAAAAAAAAAAA4D8AAAAAAADgPwAAAAAAAOA/AAAAAAAA4D8AAAAAAADgPwAAAAAAAOA/AAAAAAAA4D8AAAAAAADgPwAAAAAAAOA/AAAAAAAA4D8CAAAAjAAAAAAAAAAAAAAARHLEDP///wgAAAAAAAAAAAAAAAAAAAAAAAAAAAAAAAAAAAAAZAAAAAEAAABAAAAAAAAAAAAAAAAAAAAAAAAAAAAAAAAAAAAAAAAAAAAAAAAAAAAAAAAAAAAAAAAAAAAAAAAAAAAAAAAAAAAAAAAAAAAAAAAAAAAAAAAAAAAAAAAAAAAAFAAAADwAAAAAAAAAAAAAAAAAAAkUAAAAAQAAABQAAAAUAAAAFAAAAAEAAAAAAAAAZAAAAGQAAAAAAAAAZAAAAGQAAAAVAAAAYAAAAAAAAAAAAAAADwAAACADAAAAAAAAAAAAAAEAAACgMgAAVgcAAKr4//8BAAAAf39/AAEAAABkAAAAAAAAABQAAABAHwAAAAAAACYAAAAAAAAAwOD//wAAAAAmAAAAZAAAABYAAABMAAAAAAAAAAAAAAAEAAAAAAAAAAEAAADn5uYKAAAAACgAAAAoAAAAZAAAAGQAAAAAAAAAzMzMAAAAAABQAAAAUAAAAGQAAABkAAAAAAAAABcAAAAUAAAAAAAAAAAAAAD/fwAA/38AAAAAAAAJAAAABAAAAAAAAAAeAAAAaAAAAAAAAAAAAAAAAAAAAAAAAAAAAAAAECcAABAnAAAAAAAAAAAAAAAAAAAAAAAAAAAAAAAAAAAAAAAAAAAAABQAAAAAAAAAwMD/AAAAAABkAAAAMgAAAAAAAABkAAAAAAAAAH9/fwAKAAAAIgAAABgAAAAAAAAAAAAAAAAAAAAAAAAAAAAAAAAAAAAkAAAAJAAAAAAAAAAHAAAAAAAAAAAAAAAAAAAAAAAAAAAAAAAAAAAAf39/ACUAAABYAAAAAAAAAAAAAAAAAAAAAAAAAAAAAAAAAAAAAAAAAAAAAAAAAAAAAAAAAAAAAAA/AAAAAAAAAKCGAQAAAAAAAAAAAAAAAAAMAAAAAQAAAAAAAAAAAAAAAAAAAB8AAABUAAAAAAAABQAAAAEAAAAAAAAAAAAAAAAAAAAAAAAAAAAAAAAAAAAAAAAAAAAAAAJ/f38AAAAAA8zMzADAwP8Af39/AAAAAAAAAAAAAAAAAAAAAAAAAAAAIQAAABgAAAAUAAAAwAMAAN8JAAA/RwAAViIAABAAAAAmAAAACAAAADwgAAAAAAAA"/>
+                <pr:smNativeData xmlns:mc="http://schemas.openxmlformats.org/markup-compatibility/2006" xmlns:p14="http://schemas.microsoft.com/office/powerpoint/2010/main" xmlns:p15="http://schemas.microsoft.com/office/powerpoint/2012/main" xmlns:pr="smNativeData" xmlns="smNativeData" val="SMDATA_15_q5OGZBMAAAAlAAAAZAAAAA0AAAAAAAAAAAAAAAAAAAAAAAAAAAAAAAAAAAAAAAAAAAEAAABQAAAAAAAAAAAA4D8AAAAAAADgPwAAAAAAAOA/AAAAAAAA4D8AAAAAAADgPwAAAAAAAOA/AAAAAAAA4D8AAAAAAADgPwAAAAAAAOA/AAAAAAAA4D8CAAAAjAAAAAAAAAAAAAAARHLEDP///wgAAAAAAAAAAAAAAAAAAAAAAAAAAAAAAAAAAAAAZAAAAAEAAABAAAAAAAAAAAAAAAAAAAAAAAAAAAAAAAAAAAAAAAAAAAAAAAAAAAAAAAAAAAAAAAAAAAAAAAAAAAAAAAAAAAAAAAAAAAAAAAAAAAAAAAAAAAAAAAAAAAAAFAAAADwAAAAAAAAAAAAAAAAAAAkUAAAAAQAAABQAAAAUAAAAFAAAAAEAAAAAAAAAZAAAAGQAAAAAAAAAZAAAAGQAAAAVAAAAYAAAAAAAAAAAAAAADwAAACADAAAAAAAAAAAAAAEAAACgMgAAVgcAAKr4//8BAAAAf39/AAEAAABkAAAAAAAAABQAAABAHwAAAAAAACYAAAAAAAAAwOD//wAAAAAmAAAAZAAAABYAAABMAAAAAAAAAAAAAAAEAAAAAAAAAAEAAADn5uYKAAAAACgAAAAoAAAAZAAAAGQAAAAAAAAAzMzMAAAAAABQAAAAUAAAAGQAAABkAAAAAAAAABcAAAAUAAAAAAAAAAAAAAD/fwAA/38AAAAAAAAJAAAABAAAAAAAAAAeAAAAaAAAAAAAAAAAAAAAAAAAAAAAAAAAAAAAECcAABAnAAAAAAAAAAAAAAAAAAAAAAAAAAAAAAAAAAAAAAAAAAAAABQAAAAAAAAAwMD/AAAAAABkAAAAMgAAAAAAAABkAAAAAAAAAH9/fwAKAAAAIgAAABgAAAAAAAAAAAAAAAAAAAAAAAAAAAAAAAAAAAAkAAAAJAAAAAAAAAAHAAAAAAAAAAAAAAAAAAAAAAAAAAAAAAAAAAAAf39/ACUAAABYAAAAAAAAAAAAAAAAAAAAAAAAAAAAAAAAAAAAAAAAAAAAAAAAAAAAAAAAAAAAAAA/AAAAAAAAAKCGAQAAAAAAAAAAAAAAAAAMAAAAAQAAAAAAAAAAAAAAAAAAAB8AAABUAAAAAAAABQAAAAEAAAAAAAAAAAAAAAAAAAAAAAAAAAAAAAAAAAAAAAAAAAAAAAJ/f38AAAAAA8zMzADAwP8Af39/AAAAAAAAAAAAAAAAAAAAAAAAAAAAIQAAABgAAAAUAAAAwAMAAN8JAAA/RwAAViIAABAAAAAmAAAACAAAADwgAAAAAAAA"/>
               </a:ext>
             </a:extLst>
           </p:cNvSpPr>
@@ -1122,7 +1125,7 @@
             <a:spLocks noGrp="1" noChangeArrowheads="1"/>
             <a:extLst>
               <a:ext uri="smNativeData">
-                <pr:smNativeData xmlns="smNativeData" xmlns:pr="smNativeData" xmlns:p15="http://schemas.microsoft.com/office/powerpoint/2012/main" xmlns:p14="http://schemas.microsoft.com/office/powerpoint/2010/main" xmlns:mc="http://schemas.openxmlformats.org/markup-compatibility/2006" val="SMDATA_15_q5OGZBMAAAAlAAAAZAAAAA0AAAAAAAAAAAAAAAAAAAAAAAAAAAAAAAABAAAAAAAAAAEAAABQAAAAAAAAAAAA4D8AAAAAAADgPwAAAAAAAOA/AAAAAAAA4D8AAAAAAADgPwAAAAAAAOA/AAAAAAAA4D8AAAAAAADgPwAAAAAAAOA/AAAAAAAA4D8CAAAAjAAAAAAAAAAAAAAARHLEDP///wgAAAAAAAAAAAAAAAAAAAAAAAAAAAAAAAAAAAAAZAAAAAEAAABAAAAAAAAAAAAAAAAAAAAAAAAAAAAAAAAAAAAAAAAAAAAAAAAAAAAAAAAAAAAAAAAAAAAAAAAAAAAAAAAAAAAAAAAAAAAAAAAAAAAAAAAAAAAAAAAAAAAAFAAAADwAAAAAAAAAAAAAAAAAAAkUAAAAAQAAABQAAAAUAAAAFAAAAAEAAAAAAAAAZAAAAGQAAAAAAAAAZAAAAGQAAAAVAAAAYAAAAAAAAAAAAAAADwAAACADAAAAAAAAAAAAAAEAAACgMgAAVgcAAKr4//8BAAAAf39/AAEAAABkAAAAAAAAABQAAABAHwAAAAAAACYAAAAAAAAAwOD//wAAAAAmAAAAZAAAABYAAABMAAAAAAAAAAAAAAAEAAAAAAAAAAEAAADn5uYKAAAAACgAAAAoAAAAZAAAAGQAAAAAAAAAzMzMAAAAAABQAAAAUAAAAGQAAABkAAAAAAAAABcAAAAUAAAAAAAAAAAAAAD/fwAA/38AAAAAAAAJAAAABAAAAAZgxwEeAAAAaAAAAAAAAAAAAAAAAAAAAAAAAAAAAAAAECcAABAnAAAAAAAAAAAAAAAAAAAAAAAAAAAAAAAAAAAAAAAAAAAAABQAAAAAAAAAwMD/AAAAAABkAAAAMgAAAAAAAABkAAAAAAAAAH9/fwAKAAAAIgAAABgAAAAAAAAAAAAAAAAAAAAAAAAAAAAAAAAAAAAkAAAAJAAAAAAAAAAHAAAAAAAAAAAAAAAAAAAAAAAAAAAAAAAAAAAAf39/ACUAAABYAAAAAAAAAAAAAAAAAAAAAAAAAAAAAAAAAAAAAAAAAAAAAAAAAAAAAAAAAAAAAAA/AAAAAAAAAKCGAQAAAAAAAAAAAAAAAAAMAAAAAQAAAAAAAAAAAAAAAAAAAB8AAABUAAAAAAAABQAAAAEAAAAAAAAAAAAAAAAAAAAAAAAAAAAAAAAAAAAAAAAAAAAAAAJ/f38AAAAAA8zMzADAwP8Af39/AAAAAAAAAAAAAAAAAAAAAAAAAAAAIQAAABgAAAAUAAAAwAMAAK8BAAA/RwAAuggAABAAAAAmAAAACAAAAD0gAAAAAAAA"/>
+                <pr:smNativeData xmlns:mc="http://schemas.openxmlformats.org/markup-compatibility/2006" xmlns:p14="http://schemas.microsoft.com/office/powerpoint/2010/main" xmlns:p15="http://schemas.microsoft.com/office/powerpoint/2012/main" xmlns:pr="smNativeData" xmlns="smNativeData" val="SMDATA_15_q5OGZBMAAAAlAAAAZAAAAA0AAAAAAAAAAAAAAAAAAAAAAAAAAAAAAAABAAAAAAAAAAEAAABQAAAAAAAAAAAA4D8AAAAAAADgPwAAAAAAAOA/AAAAAAAA4D8AAAAAAADgPwAAAAAAAOA/AAAAAAAA4D8AAAAAAADgPwAAAAAAAOA/AAAAAAAA4D8CAAAAjAAAAAAAAAAAAAAARHLEDP///wgAAAAAAAAAAAAAAAAAAAAAAAAAAAAAAAAAAAAAZAAAAAEAAABAAAAAAAAAAAAAAAAAAAAAAAAAAAAAAAAAAAAAAAAAAAAAAAAAAAAAAAAAAAAAAAAAAAAAAAAAAAAAAAAAAAAAAAAAAAAAAAAAAAAAAAAAAAAAAAAAAAAAFAAAADwAAAAAAAAAAAAAAAAAAAkUAAAAAQAAABQAAAAUAAAAFAAAAAEAAAAAAAAAZAAAAGQAAAAAAAAAZAAAAGQAAAAVAAAAYAAAAAAAAAAAAAAADwAAACADAAAAAAAAAAAAAAEAAACgMgAAVgcAAKr4//8BAAAAf39/AAEAAABkAAAAAAAAABQAAABAHwAAAAAAACYAAAAAAAAAwOD//wAAAAAmAAAAZAAAABYAAABMAAAAAAAAAAAAAAAEAAAAAAAAAAEAAADn5uYKAAAAACgAAAAoAAAAZAAAAGQAAAAAAAAAzMzMAAAAAABQAAAAUAAAAGQAAABkAAAAAAAAABcAAAAUAAAAAAAAAAAAAAD/fwAA/38AAAAAAAAJAAAABAAAAAZgxwEeAAAAaAAAAAAAAAAAAAAAAAAAAAAAAAAAAAAAECcAABAnAAAAAAAAAAAAAAAAAAAAAAAAAAAAAAAAAAAAAAAAAAAAABQAAAAAAAAAwMD/AAAAAABkAAAAMgAAAAAAAABkAAAAAAAAAH9/fwAKAAAAIgAAABgAAAAAAAAAAAAAAAAAAAAAAAAAAAAAAAAAAAAkAAAAJAAAAAAAAAAHAAAAAAAAAAAAAAAAAAAAAAAAAAAAAAAAAAAAf39/ACUAAABYAAAAAAAAAAAAAAAAAAAAAAAAAAAAAAAAAAAAAAAAAAAAAAAAAAAAAAAAAAAAAAA/AAAAAAAAAKCGAQAAAAAAAAAAAAAAAAAMAAAAAQAAAAAAAAAAAAAAAAAAAB8AAABUAAAAAAAABQAAAAEAAAAAAAAAAAAAAAAAAAAAAAAAAAAAAAAAAAAAAAAAAAAAAAJ/f38AAAAAA8zMzADAwP8Af39/AAAAAAAAAAAAAAAAAAAAAAAAAAAAIQAAABgAAAAUAAAAwAMAAK8BAAA/RwAAuggAABAAAAAmAAAACAAAAD0gAAAAAAAA"/>
               </a:ext>
             </a:extLst>
           </p:cNvSpPr>
@@ -1158,7 +1161,7 @@
             <a:spLocks noGrp="1" noChangeArrowheads="1"/>
             <a:extLst>
               <a:ext uri="smNativeData">
-                <pr:smNativeData xmlns="smNativeData" xmlns:pr="smNativeData" xmlns:p15="http://schemas.microsoft.com/office/powerpoint/2012/main" xmlns:p14="http://schemas.microsoft.com/office/powerpoint/2010/main" xmlns:mc="http://schemas.openxmlformats.org/markup-compatibility/2006" val="SMDATA_15_q5OGZBMAAAAlAAAAZAAAAA0AAAAAAAAAAAAAAAAAAAAAAAAAAAAAAAAAAAAAAAAAAAEAAABQAAAAAAAAAAAA4D8AAAAAAADgPwAAAAAAAOA/AAAAAAAA4D8AAAAAAADgPwAAAAAAAOA/AAAAAAAA4D8AAAAAAADgPwAAAAAAAOA/AAAAAAAA4D8CAAAAjAAAAAAAAAAAAAAARHLEDP///wgAAAAAAAAAAAAAAAAAAAAAAAAAAAAAAAAAAAAAZAAAAAEAAABAAAAAAAAAAAAAAAAAAAAAAAAAAAAAAAAAAAAAAAAAAAAAAAAAAAAAAAAAAAAAAAAAAAAAAAAAAAAAAAAAAAAAAAAAAAAAAAAAAAAAAAAAAAAAAAAAAAAAFAAAADwAAAAAAAAAAAAAAAAAAAkUAAAAAQAAABQAAAAUAAAAFAAAAAEAAAAAAAAAZAAAAGQAAAAAAAAAZAAAAGQAAAAVAAAAYAAAAAAAAAAAAAAADwAAACADAAAAAAAAAAAAAAEAAACgMgAAVgcAAKr4//8BAAAAf39/AAEAAABkAAAAAAAAABQAAABAHwAAAAAAACYAAAAAAAAAwOD//wAAAAAmAAAAZAAAABYAAABMAAAAAAAAAAAAAAAEAAAAAAAAAAEAAADn5uYKAAAAACgAAAAoAAAAZAAAAGQAAAAAAAAAzMzMAAAAAABQAAAAUAAAAGQAAABkAAAAAAAAABcAAAAUAAAAAAAAAAAAAAD/fwAA/38AAAAAAAAJAAAABAAAAGV0AAYeAAAAaAAAAAAAAAAAAAAAAAAAAAAAAAAAAAAAECcAABAnAAAAAAAAAAAAAAAAAAAAAAAAAAAAAAAAAAAAAAAAAAAAABQAAAAAAAAAwMD/AAAAAABkAAAAMgAAAAAAAABkAAAAAAAAAH9/fwAKAAAAIgAAABgAAAAAAAAAAAAAAAAAAAAAAAAAAAAAAAAAAAAkAAAAJAAAAAAAAAAHAAAAAAAAAAAAAAAAAAAAAAAAAAAAAAAAAAAAf39/ACUAAABYAAAAAAAAAAAAAAAAAAAAAAAAAAAAAAAAAAAAAAAAAAAAAAAAAAAAAAAAAAAAAAA/AAAAAAAAAKCGAQAAAAAAAAAAAAAAAAAMAAAAAQAAAAAAAAAAAAAAAAAAAB8AAABUAAAAAAAABQAAAAEAAAAAAAAAAAAAAAAAAAAAAAAAAAAAAAAAAAAAAAAAAAAAAAJ/f38AAAAAA8zMzADAwP8Af39/AAAAAAAAAAAAAAAAAAAAAAAAAAAAIQAAABgAAAAUAAAAwAMAAN8JAACwJAAAViIAABAAAAAmAAAACAAAAD0gAAAAAAAA"/>
+                <pr:smNativeData xmlns:mc="http://schemas.openxmlformats.org/markup-compatibility/2006" xmlns:p14="http://schemas.microsoft.com/office/powerpoint/2010/main" xmlns:p15="http://schemas.microsoft.com/office/powerpoint/2012/main" xmlns:pr="smNativeData" xmlns="smNativeData" val="SMDATA_15_q5OGZBMAAAAlAAAAZAAAAA0AAAAAAAAAAAAAAAAAAAAAAAAAAAAAAAAAAAAAAAAAAAEAAABQAAAAAAAAAAAA4D8AAAAAAADgPwAAAAAAAOA/AAAAAAAA4D8AAAAAAADgPwAAAAAAAOA/AAAAAAAA4D8AAAAAAADgPwAAAAAAAOA/AAAAAAAA4D8CAAAAjAAAAAAAAAAAAAAARHLEDP///wgAAAAAAAAAAAAAAAAAAAAAAAAAAAAAAAAAAAAAZAAAAAEAAABAAAAAAAAAAAAAAAAAAAAAAAAAAAAAAAAAAAAAAAAAAAAAAAAAAAAAAAAAAAAAAAAAAAAAAAAAAAAAAAAAAAAAAAAAAAAAAAAAAAAAAAAAAAAAAAAAAAAAFAAAADwAAAAAAAAAAAAAAAAAAAkUAAAAAQAAABQAAAAUAAAAFAAAAAEAAAAAAAAAZAAAAGQAAAAAAAAAZAAAAGQAAAAVAAAAYAAAAAAAAAAAAAAADwAAACADAAAAAAAAAAAAAAEAAACgMgAAVgcAAKr4//8BAAAAf39/AAEAAABkAAAAAAAAABQAAABAHwAAAAAAACYAAAAAAAAAwOD//wAAAAAmAAAAZAAAABYAAABMAAAAAAAAAAAAAAAEAAAAAAAAAAEAAADn5uYKAAAAACgAAAAoAAAAZAAAAGQAAAAAAAAAzMzMAAAAAABQAAAAUAAAAGQAAABkAAAAAAAAABcAAAAUAAAAAAAAAAAAAAD/fwAA/38AAAAAAAAJAAAABAAAAGV0AAYeAAAAaAAAAAAAAAAAAAAAAAAAAAAAAAAAAAAAECcAABAnAAAAAAAAAAAAAAAAAAAAAAAAAAAAAAAAAAAAAAAAAAAAABQAAAAAAAAAwMD/AAAAAABkAAAAMgAAAAAAAABkAAAAAAAAAH9/fwAKAAAAIgAAABgAAAAAAAAAAAAAAAAAAAAAAAAAAAAAAAAAAAAkAAAAJAAAAAAAAAAHAAAAAAAAAAAAAAAAAAAAAAAAAAAAAAAAAAAAf39/ACUAAABYAAAAAAAAAAAAAAAAAAAAAAAAAAAAAAAAAAAAAAAAAAAAAAAAAAAAAAAAAAAAAAA/AAAAAAAAAKCGAQAAAAAAAAAAAAAAAAAMAAAAAQAAAAAAAAAAAAAAAAAAAB8AAABUAAAAAAAABQAAAAEAAAAAAAAAAAAAAAAAAAAAAAAAAAAAAAAAAAAAAAAAAAAAAAJ/f38AAAAAA8zMzADAwP8Af39/AAAAAAAAAAAAAAAAAAAAAAAAAAAAIQAAABgAAAAUAAAAwAMAAN8JAACwJAAAViIAABAAAAAmAAAACAAAAD0gAAAAAAAA"/>
               </a:ext>
             </a:extLst>
           </p:cNvSpPr>
@@ -1194,7 +1197,7 @@
             <a:spLocks noGrp="1" noChangeArrowheads="1"/>
             <a:extLst>
               <a:ext uri="smNativeData">
-                <pr:smNativeData xmlns="smNativeData" xmlns:pr="smNativeData" xmlns:p15="http://schemas.microsoft.com/office/powerpoint/2012/main" xmlns:p14="http://schemas.microsoft.com/office/powerpoint/2010/main" xmlns:mc="http://schemas.openxmlformats.org/markup-compatibility/2006" val="SMDATA_15_q5OGZBMAAAAlAAAAZAAAAA0AAAAAAAAAAAAAAAAAAAAAAAAAAAAAAAAAAAAAAAAAAAEAAABQAAAAAAAAAAAA4D8AAAAAAADgPwAAAAAAAOA/AAAAAAAA4D8AAAAAAADgPwAAAAAAAOA/AAAAAAAA4D8AAAAAAADgPwAAAAAAAOA/AAAAAAAA4D8CAAAAjAAAAAAAAAAAAAAARHLEDP///wgAAAAAAAAAAAAAAAAAAAAAAAAAAAAAAAAAAAAAZAAAAAEAAABAAAAAAAAAAAAAAAAAAAAAAAAAAAAAAAAAAAAAAAAAAAAAAAAAAAAAAAAAAAAAAAAAAAAAAAAAAAAAAAAAAAAAAAAAAAAAAAAAAAAAAAAAAAAAAAAAAAAAFAAAADwAAAAAAAAAAAAAAAAAAAkUAAAAAQAAABQAAAAUAAAAFAAAAAEAAAAAAAAAZAAAAGQAAAAAAAAAZAAAAGQAAAAVAAAAYAAAAAAAAAAAAAAADwAAACADAAAAAAAAAAAAAAEAAACgMgAAVgcAAKr4//8BAAAAf39/AAEAAABkAAAAAAAAABQAAABAHwAAAAAAACYAAAAAAAAAwOD//wAAAAAmAAAAZAAAABYAAABMAAAAAAAAAAAAAAAEAAAAAAAAAAEAAADn5uYKAAAAACgAAAAoAAAAZAAAAGQAAAAAAAAAzMzMAAAAAABQAAAAUAAAAGQAAABkAAAAAAAAABcAAAAUAAAAAAAAAAAAAAD/fwAA/38AAAAAAAAJAAAABAAAAAAAAAAeAAAAaAAAAAAAAAAAAAAAAAAAAAAAAAAAAAAAECcAABAnAAAAAAAAAAAAAAAAAAAAAAAAAAAAAAAAAAAAAAAAAAAAABQAAAAAAAAAwMD/AAAAAABkAAAAMgAAAAAAAABkAAAAAAAAAH9/fwAKAAAAIgAAABgAAAAAAAAAAAAAAAAAAAAAAAAAAAAAAAAAAAAkAAAAJAAAAAAAAAAHAAAAAAAAAAAAAAAAAAAAAAAAAAAAAAAAAAAAf39/ACUAAABYAAAAAAAAAAAAAAAAAAAAAAAAAAAAAAAAAAAAAAAAAAAAAAAAAAAAAAAAAAAAAAA/AAAAAAAAAKCGAQAAAAAAAAAAAAAAAAAMAAAAAQAAAAAAAAAAAAAAAAAAAB8AAABUAAAAAAAABQAAAAEAAAAAAAAAAAAAAAAAAAAAAAAAAAAAAAAAAAAAAAAAAAAAAAJ/f38AAAAAA8zMzADAwP8Af39/AAAAAAAAAAAAAAAAAAAAAAAAAAAAIQAAABgAAAAUAAAAViYAAN8JAABGRwAAViIAABAAAAAmAAAACAAAAD0gAAAAAAAA"/>
+                <pr:smNativeData xmlns:mc="http://schemas.openxmlformats.org/markup-compatibility/2006" xmlns:p14="http://schemas.microsoft.com/office/powerpoint/2010/main" xmlns:p15="http://schemas.microsoft.com/office/powerpoint/2012/main" xmlns:pr="smNativeData" xmlns="smNativeData" val="SMDATA_15_q5OGZBMAAAAlAAAAZAAAAA0AAAAAAAAAAAAAAAAAAAAAAAAAAAAAAAAAAAAAAAAAAAEAAABQAAAAAAAAAAAA4D8AAAAAAADgPwAAAAAAAOA/AAAAAAAA4D8AAAAAAADgPwAAAAAAAOA/AAAAAAAA4D8AAAAAAADgPwAAAAAAAOA/AAAAAAAA4D8CAAAAjAAAAAAAAAAAAAAARHLEDP///wgAAAAAAAAAAAAAAAAAAAAAAAAAAAAAAAAAAAAAZAAAAAEAAABAAAAAAAAAAAAAAAAAAAAAAAAAAAAAAAAAAAAAAAAAAAAAAAAAAAAAAAAAAAAAAAAAAAAAAAAAAAAAAAAAAAAAAAAAAAAAAAAAAAAAAAAAAAAAAAAAAAAAFAAAADwAAAAAAAAAAAAAAAAAAAkUAAAAAQAAABQAAAAUAAAAFAAAAAEAAAAAAAAAZAAAAGQAAAAAAAAAZAAAAGQAAAAVAAAAYAAAAAAAAAAAAAAADwAAACADAAAAAAAAAAAAAAEAAACgMgAAVgcAAKr4//8BAAAAf39/AAEAAABkAAAAAAAAABQAAABAHwAAAAAAACYAAAAAAAAAwOD//wAAAAAmAAAAZAAAABYAAABMAAAAAAAAAAAAAAAEAAAAAAAAAAEAAADn5uYKAAAAACgAAAAoAAAAZAAAAGQAAAAAAAAAzMzMAAAAAABQAAAAUAAAAGQAAABkAAAAAAAAABcAAAAUAAAAAAAAAAAAAAD/fwAA/38AAAAAAAAJAAAABAAAAAAAAAAeAAAAaAAAAAAAAAAAAAAAAAAAAAAAAAAAAAAAECcAABAnAAAAAAAAAAAAAAAAAAAAAAAAAAAAAAAAAAAAAAAAAAAAABQAAAAAAAAAwMD/AAAAAABkAAAAMgAAAAAAAABkAAAAAAAAAH9/fwAKAAAAIgAAABgAAAAAAAAAAAAAAAAAAAAAAAAAAAAAAAAAAAAkAAAAJAAAAAAAAAAHAAAAAAAAAAAAAAAAAAAAAAAAAAAAAAAAAAAAf39/ACUAAABYAAAAAAAAAAAAAAAAAAAAAAAAAAAAAAAAAAAAAAAAAAAAAAAAAAAAAAAAAAAAAAA/AAAAAAAAAKCGAQAAAAAAAAAAAAAAAAAMAAAAAQAAAAAAAAAAAAAAAAAAAB8AAABUAAAAAAAABQAAAAEAAAAAAAAAAAAAAAAAAAAAAAAAAAAAAAAAAAAAAAAAAAAAAAJ/f38AAAAAA8zMzADAwP8Af39/AAAAAAAAAAAAAAAAAAAAAAAAAAAAIQAAABgAAAAUAAAAViYAAN8JAABGRwAAViIAABAAAAAmAAAACAAAAD0gAAAAAAAA"/>
               </a:ext>
             </a:extLst>
           </p:cNvSpPr>
@@ -1255,7 +1258,7 @@
             <a:spLocks noGrp="1" noChangeArrowheads="1"/>
             <a:extLst>
               <a:ext uri="smNativeData">
-                <pr:smNativeData xmlns="smNativeData" xmlns:pr="smNativeData" xmlns:p15="http://schemas.microsoft.com/office/powerpoint/2012/main" xmlns:p14="http://schemas.microsoft.com/office/powerpoint/2010/main" xmlns:mc="http://schemas.openxmlformats.org/markup-compatibility/2006" val="SMDATA_15_q5OGZBMAAAAlAAAAZAAAAA0AAAAAAAAAAAAAAAAAAAAAAAAAAAAAAAABAAAAAAAAAAEAAABQAAAAAAAAAAAA4D8AAAAAAADgPwAAAAAAAOA/AAAAAAAA4D8AAAAAAADgPwAAAAAAAOA/AAAAAAAA4D8AAAAAAADgPwAAAAAAAOA/AAAAAAAA4D8CAAAAjAAAAAAAAAAAAAAARHLEDP///wgAAAAAAAAAAAAAAAAAAAAAAAAAAAAAAAAAAAAAZAAAAAEAAABAAAAAAAAAAAAAAAAAAAAAAAAAAAAAAAAAAAAAAAAAAAAAAAAAAAAAAAAAAAAAAAAAAAAAAAAAAAAAAAAAAAAAAAAAAAAAAAAAAAAAAAAAAAAAAAAAAAAAFAAAADwAAAAAAAAAAAAAAAAAAAkUAAAAAQAAABQAAAAUAAAAFAAAAAEAAAAAAAAAZAAAAGQAAAAAAAAAZAAAAGQAAAAVAAAAYAAAAAAAAAAAAAAADwAAACADAAAAAAAAAAAAAAEAAACgMgAAVgcAAKr4//8BAAAAf39/AAEAAABkAAAAAAAAABQAAABAHwAAAAAAACYAAAAAAAAAwOD//wAAAAAmAAAAZAAAABYAAABMAAAAAAAAAAAAAAAEAAAAAAAAAAEAAADn5uYKAAAAACgAAAAoAAAAZAAAAGQAAAAAAAAAzMzMAAAAAABQAAAAUAAAAGQAAABkAAAAAAAAABcAAAAUAAAAAAAAAAAAAAD/fwAA/38AAAAAAAAJAAAABAAAAEB16gseAAAAaAAAAAAAAAAAAAAAAAAAAAAAAAAAAAAAECcAABAnAAAAAAAAAAAAAAAAAAAAAAAAAAAAAAAAAAAAAAAAAAAAABQAAAAAAAAAwMD/AAAAAABkAAAAMgAAAAAAAABkAAAAAAAAAH9/fwAKAAAAIgAAABgAAAAAAAAAAAAAAAAAAAAAAAAAAAAAAAAAAAAkAAAAJAAAAAAAAAAHAAAAAAAAAAAAAAAAAAAAAAAAAAAAAAAAAAAAf39/ACUAAABYAAAAAAAAAAAAAAAAAAAAAAAAAAAAAAAAAAAAAAAAAAAAAAAAAAAAAAAAAAAAAAA/AAAAAAAAAKCGAQAAAAAAAAAAAAAAAAAMAAAAAQAAAAAAAAAAAAAAAAAAAB8AAABUAAAAAAAABQAAAAEAAAAAAAAAAAAAAAAAAAAAAAAAAAAAAAAAAAAAAAAAAAAAAAJ/f38AAAAAA8zMzADAwP8Af39/AAAAAAAAAAAAAAAAAAAAAAAAAAAAIQAAABgAAAAUAAAAwAMAAK8BAAA/RwAAuggAABAAAAAmAAAACAAAAD0gAAAAAAAA"/>
+                <pr:smNativeData xmlns:mc="http://schemas.openxmlformats.org/markup-compatibility/2006" xmlns:p14="http://schemas.microsoft.com/office/powerpoint/2010/main" xmlns:p15="http://schemas.microsoft.com/office/powerpoint/2012/main" xmlns:pr="smNativeData" xmlns="smNativeData" val="SMDATA_15_q5OGZBMAAAAlAAAAZAAAAA0AAAAAAAAAAAAAAAAAAAAAAAAAAAAAAAABAAAAAAAAAAEAAABQAAAAAAAAAAAA4D8AAAAAAADgPwAAAAAAAOA/AAAAAAAA4D8AAAAAAADgPwAAAAAAAOA/AAAAAAAA4D8AAAAAAADgPwAAAAAAAOA/AAAAAAAA4D8CAAAAjAAAAAAAAAAAAAAARHLEDP///wgAAAAAAAAAAAAAAAAAAAAAAAAAAAAAAAAAAAAAZAAAAAEAAABAAAAAAAAAAAAAAAAAAAAAAAAAAAAAAAAAAAAAAAAAAAAAAAAAAAAAAAAAAAAAAAAAAAAAAAAAAAAAAAAAAAAAAAAAAAAAAAAAAAAAAAAAAAAAAAAAAAAAFAAAADwAAAAAAAAAAAAAAAAAAAkUAAAAAQAAABQAAAAUAAAAFAAAAAEAAAAAAAAAZAAAAGQAAAAAAAAAZAAAAGQAAAAVAAAAYAAAAAAAAAAAAAAADwAAACADAAAAAAAAAAAAAAEAAACgMgAAVgcAAKr4//8BAAAAf39/AAEAAABkAAAAAAAAABQAAABAHwAAAAAAACYAAAAAAAAAwOD//wAAAAAmAAAAZAAAABYAAABMAAAAAAAAAAAAAAAEAAAAAAAAAAEAAADn5uYKAAAAACgAAAAoAAAAZAAAAGQAAAAAAAAAzMzMAAAAAABQAAAAUAAAAGQAAABkAAAAAAAAABcAAAAUAAAAAAAAAAAAAAD/fwAA/38AAAAAAAAJAAAABAAAAEB16gseAAAAaAAAAAAAAAAAAAAAAAAAAAAAAAAAAAAAECcAABAnAAAAAAAAAAAAAAAAAAAAAAAAAAAAAAAAAAAAAAAAAAAAABQAAAAAAAAAwMD/AAAAAABkAAAAMgAAAAAAAABkAAAAAAAAAH9/fwAKAAAAIgAAABgAAAAAAAAAAAAAAAAAAAAAAAAAAAAAAAAAAAAkAAAAJAAAAAAAAAAHAAAAAAAAAAAAAAAAAAAAAAAAAAAAAAAAAAAAf39/ACUAAABYAAAAAAAAAAAAAAAAAAAAAAAAAAAAAAAAAAAAAAAAAAAAAAAAAAAAAAAAAAAAAAA/AAAAAAAAAKCGAQAAAAAAAAAAAAAAAAAMAAAAAQAAAAAAAAAAAAAAAAAAAB8AAABUAAAAAAAABQAAAAEAAAAAAAAAAAAAAAAAAAAAAAAAAAAAAAAAAAAAAAAAAAAAAAJ/f38AAAAAA8zMzADAwP8Af39/AAAAAAAAAAAAAAAAAAAAAAAAAAAAIQAAABgAAAAUAAAAwAMAAK8BAAA/RwAAuggAABAAAAAmAAAACAAAAD0gAAAAAAAA"/>
               </a:ext>
             </a:extLst>
           </p:cNvSpPr>
@@ -1316,7 +1319,7 @@
             <a:spLocks noGrp="1" noChangeArrowheads="1"/>
             <a:extLst>
               <a:ext uri="smNativeData">
-                <pr:smNativeData xmlns="smNativeData" xmlns:pr="smNativeData" xmlns:p15="http://schemas.microsoft.com/office/powerpoint/2012/main" xmlns:p14="http://schemas.microsoft.com/office/powerpoint/2010/main" xmlns:mc="http://schemas.openxmlformats.org/markup-compatibility/2006" val="SMDATA_15_q5OGZBMAAAAlAAAAZAAAAA0AAAAAAAAAAAAAAAAAAAAAAAAAAAAAAAABAAAAAAAAAAEAAABQAAAAAAAAAAAA4D8AAAAAAADgPwAAAAAAAOA/AAAAAAAA4D8AAAAAAADgPwAAAAAAAOA/AAAAAAAA4D8AAAAAAADgPwAAAAAAAOA/AAAAAAAA4D8CAAAAjAAAAAAAAAAAAAAARHLEDP///wgAAAAAAAAAAAAAAAAAAAAAAAAAAAAAAAAAAAAAZAAAAAEAAABAAAAAAAAAAAAAAAAAAAAAAAAAAAAAAAAAAAAAAAAAAAAAAAAAAAAAAAAAAAAAAAAAAAAAAAAAAAAAAAAAAAAAAAAAAAAAAAAAAAAAAAAAAAAAAAAAAAAAFAAAADwAAAAAAAAAAAAAAAAAAAkUAAAAAQAAABQAAAAUAAAAFAAAAAEAAAAAAAAAZAAAAGQAAAAAAAAAZAAAAGQAAAAVAAAAYAAAAAAAAAAAAAAADwAAACADAAAAAAAAAAAAAAEAAACgMgAAVgcAAKr4//8BAAAAf39/AAEAAABkAAAAAAAAABQAAABAHwAAAAAAACYAAAAAAAAAwOD//wAAAAAmAAAAZAAAABYAAABMAAAAAAAAAAAAAAAEAAAAAAAAAAEAAADn5uYKAAAAACgAAAAoAAAAZAAAAGQAAAAAAAAAzMzMAAAAAABQAAAAUAAAAGQAAABkAAAAAAAAABcAAAAUAAAAAAAAAAAAAAD/fwAA/38AAAAAAAAJAAAABAAAAIazpAseAAAAaAAAAAAAAAAAAAAAAAAAAAAAAAAAAAAAECcAABAnAAAAAAAAAAAAAAAAAAAAAAAAAAAAAAAAAAAAAAAAAAAAABQAAAAAAAAAwMD/AAAAAABkAAAAMgAAAAAAAABkAAAAAAAAAH9/fwAKAAAAIgAAABgAAAAAAAAAAAAAAAAAAAAAAAAAAAAAAAAAAAAkAAAAJAAAAAAAAAAHAAAAAAAAAAAAAAAAAAAAAAAAAAAAAAAAAAAAf39/ACUAAABYAAAAAAAAAAAAAAAAAAAAAAAAAAAAAAAAAAAAAAAAAAAAAAAAAAAAAAAAAAAAAAA/AAAAAAAAAKCGAQAAAAAAAAAAAAAAAAAMAAAAAQAAAAAAAAAAAAAAAAAAAB8AAABUAAAAAAAABQAAAAEAAAAAAAAAAAAAAAAAAAAAAAAAAAAAAAAAAAAAAAAAAAAAAAJ/f38AAAAAA8zMzADAwP8Af39/AAAAAAAAAAAAAAAAAAAAAAAAAAAAIQAAABgAAAAUAAAAwAMAAK8BAAA/RwAAViIAABAAAAAmAAAACAAAAL0gAAAAAAAA"/>
+                <pr:smNativeData xmlns:mc="http://schemas.openxmlformats.org/markup-compatibility/2006" xmlns:p14="http://schemas.microsoft.com/office/powerpoint/2010/main" xmlns:p15="http://schemas.microsoft.com/office/powerpoint/2012/main" xmlns:pr="smNativeData" xmlns="smNativeData" val="SMDATA_15_q5OGZBMAAAAlAAAAZAAAAA0AAAAAAAAAAAAAAAAAAAAAAAAAAAAAAAABAAAAAAAAAAEAAABQAAAAAAAAAAAA4D8AAAAAAADgPwAAAAAAAOA/AAAAAAAA4D8AAAAAAADgPwAAAAAAAOA/AAAAAAAA4D8AAAAAAADgPwAAAAAAAOA/AAAAAAAA4D8CAAAAjAAAAAAAAAAAAAAARHLEDP///wgAAAAAAAAAAAAAAAAAAAAAAAAAAAAAAAAAAAAAZAAAAAEAAABAAAAAAAAAAAAAAAAAAAAAAAAAAAAAAAAAAAAAAAAAAAAAAAAAAAAAAAAAAAAAAAAAAAAAAAAAAAAAAAAAAAAAAAAAAAAAAAAAAAAAAAAAAAAAAAAAAAAAFAAAADwAAAAAAAAAAAAAAAAAAAkUAAAAAQAAABQAAAAUAAAAFAAAAAEAAAAAAAAAZAAAAGQAAAAAAAAAZAAAAGQAAAAVAAAAYAAAAAAAAAAAAAAADwAAACADAAAAAAAAAAAAAAEAAACgMgAAVgcAAKr4//8BAAAAf39/AAEAAABkAAAAAAAAABQAAABAHwAAAAAAACYAAAAAAAAAwOD//wAAAAAmAAAAZAAAABYAAABMAAAAAAAAAAAAAAAEAAAAAAAAAAEAAADn5uYKAAAAACgAAAAoAAAAZAAAAGQAAAAAAAAAzMzMAAAAAABQAAAAUAAAAGQAAABkAAAAAAAAABcAAAAUAAAAAAAAAAAAAAD/fwAA/38AAAAAAAAJAAAABAAAAIazpAseAAAAaAAAAAAAAAAAAAAAAAAAAAAAAAAAAAAAECcAABAnAAAAAAAAAAAAAAAAAAAAAAAAAAAAAAAAAAAAAAAAAAAAABQAAAAAAAAAwMD/AAAAAABkAAAAMgAAAAAAAABkAAAAAAAAAH9/fwAKAAAAIgAAABgAAAAAAAAAAAAAAAAAAAAAAAAAAAAAAAAAAAAkAAAAJAAAAAAAAAAHAAAAAAAAAAAAAAAAAAAAAAAAAAAAAAAAAAAAf39/ACUAAABYAAAAAAAAAAAAAAAAAAAAAAAAAAAAAAAAAAAAAAAAAAAAAAAAAAAAAAAAAAAAAAA/AAAAAAAAAKCGAQAAAAAAAAAAAAAAAAAMAAAAAQAAAAAAAAAAAAAAAAAAAB8AAABUAAAAAAAABQAAAAEAAAAAAAAAAAAAAAAAAAAAAAAAAAAAAAAAAAAAAAAAAAAAAAJ/f38AAAAAA8zMzADAwP8Af39/AAAAAAAAAAAAAAAAAAAAAAAAAAAAIQAAABgAAAAUAAAAwAMAAK8BAAA/RwAAViIAABAAAAAmAAAACAAAAL0gAAAAAAAA"/>
               </a:ext>
             </a:extLst>
           </p:cNvSpPr>
@@ -1377,7 +1380,7 @@
             <a:spLocks noGrp="1" noChangeArrowheads="1"/>
             <a:extLst>
               <a:ext uri="smNativeData">
-                <pr:smNativeData xmlns="smNativeData" xmlns:pr="smNativeData" xmlns:p15="http://schemas.microsoft.com/office/powerpoint/2012/main" xmlns:p14="http://schemas.microsoft.com/office/powerpoint/2010/main" xmlns:mc="http://schemas.openxmlformats.org/markup-compatibility/2006" val="SMDATA_15_q5OGZBMAAAAlAAAAZAAAAA0AAAAAAAAAAAAAAAAAAAAAAAAAAAAAAAABAAAAAAAAAAEAAABQAAAAAAAAAAAA4D8AAAAAAADgPwAAAAAAAOA/AAAAAAAA4D8AAAAAAADgPwAAAAAAAOA/AAAAAAAA4D8AAAAAAADgPwAAAAAAAOA/AAAAAAAA4D8CAAAAjAAAAAAAAAAAAAAARHLEDP///wgAAAAAAAAAAAAAAAAAAAAAAAAAAAAAAAAAAAAAZAAAAAEAAABAAAAAAAAAAAAAAAAAAAAAAAAAAAAAAAAAAAAAAAAAAAAAAAAAAAAAAAAAAAAAAAAAAAAAAAAAAAAAAAAAAAAAAAAAAAAAAAAAAAAAAAAAAAAAAAAAAAAAFAAAADwAAAAAAAAAAAAAAAAAAAkUAAAAAQAAABQAAAAUAAAAFAAAAAEAAAAAAAAAZAAAAGQAAAAAAAAAZAAAAGQAAAAVAAAAYAAAAAAAAAAAAAAADwAAACADAAAAAAAAAAAAAAEAAACgMgAAVgcAAKr4//8BAAAAf39/AAEAAABkAAAAAAAAABQAAABAHwAAAAAAACYAAAAAAAAAwOD//wAAAAAmAAAAZAAAABYAAABMAAAAAAAAAAAAAAAEAAAAAAAAAAEAAADn5uYKAAAAACgAAAAoAAAAZAAAAGQAAAAAAAAAzMzMAAAAAABQAAAAUAAAAGQAAABkAAAAAAAAABcAAAAUAAAAAAAAAAAAAAD/fwAA/38AAAAAAAAJAAAABAAAAFh74wseAAAAaAAAAAAAAAAAAAAAAAAAAAAAAAAAAAAAECcAABAnAAAAAAAAAAAAAAAAAAAAAAAAAAAAAAAAAAAAAAAAAAAAABQAAAAAAAAAwMD/AAAAAABkAAAAMgAAAAAAAABkAAAAAAAAAH9/fwAKAAAAIgAAABgAAAAAAAAAAAAAAAAAAAAAAAAAAAAAAAAAAAAkAAAAJAAAAAAAAAAHAAAAAAAAAAAAAAAAAAAAAAAAAAAAAAAAAAAAf39/ACUAAABYAAAAAAAAAAAAAAAAAAAAAAAAAAAAAAAAAAAAAAAAAAAAAAAAAAAAAAAAAAAAAAA/AAAAAAAAAKCGAQAAAAAAAAAAAAAAAAAMAAAAAQAAAAAAAAAAAAAAAAAAAB8AAABUAAAAAAAABQAAAAEAAAAAAAAAAAAAAAAAAAAAAAAAAAAAAAAAAAAAAAAAAAAAAAJ/f38AAAAAA8zMzADAwP8Af39/AAAAAAAAAAAAAAAAAAAAAAAAAAAAIQAAABgAAAAUAAAAwAMAAK8BAAA/RwAAuggAABAAAAAmAAAACAAAAD0gAAAAAAAA"/>
+                <pr:smNativeData xmlns:mc="http://schemas.openxmlformats.org/markup-compatibility/2006" xmlns:p14="http://schemas.microsoft.com/office/powerpoint/2010/main" xmlns:p15="http://schemas.microsoft.com/office/powerpoint/2012/main" xmlns:pr="smNativeData" xmlns="smNativeData" val="SMDATA_15_q5OGZBMAAAAlAAAAZAAAAA0AAAAAAAAAAAAAAAAAAAAAAAAAAAAAAAABAAAAAAAAAAEAAABQAAAAAAAAAAAA4D8AAAAAAADgPwAAAAAAAOA/AAAAAAAA4D8AAAAAAADgPwAAAAAAAOA/AAAAAAAA4D8AAAAAAADgPwAAAAAAAOA/AAAAAAAA4D8CAAAAjAAAAAAAAAAAAAAARHLEDP///wgAAAAAAAAAAAAAAAAAAAAAAAAAAAAAAAAAAAAAZAAAAAEAAABAAAAAAAAAAAAAAAAAAAAAAAAAAAAAAAAAAAAAAAAAAAAAAAAAAAAAAAAAAAAAAAAAAAAAAAAAAAAAAAAAAAAAAAAAAAAAAAAAAAAAAAAAAAAAAAAAAAAAFAAAADwAAAAAAAAAAAAAAAAAAAkUAAAAAQAAABQAAAAUAAAAFAAAAAEAAAAAAAAAZAAAAGQAAAAAAAAAZAAAAGQAAAAVAAAAYAAAAAAAAAAAAAAADwAAACADAAAAAAAAAAAAAAEAAACgMgAAVgcAAKr4//8BAAAAf39/AAEAAABkAAAAAAAAABQAAABAHwAAAAAAACYAAAAAAAAAwOD//wAAAAAmAAAAZAAAABYAAABMAAAAAAAAAAAAAAAEAAAAAAAAAAEAAADn5uYKAAAAACgAAAAoAAAAZAAAAGQAAAAAAAAAzMzMAAAAAABQAAAAUAAAAGQAAABkAAAAAAAAABcAAAAUAAAAAAAAAAAAAAD/fwAA/38AAAAAAAAJAAAABAAAAFh74wseAAAAaAAAAAAAAAAAAAAAAAAAAAAAAAAAAAAAECcAABAnAAAAAAAAAAAAAAAAAAAAAAAAAAAAAAAAAAAAAAAAAAAAABQAAAAAAAAAwMD/AAAAAABkAAAAMgAAAAAAAABkAAAAAAAAAH9/fwAKAAAAIgAAABgAAAAAAAAAAAAAAAAAAAAAAAAAAAAAAAAAAAAkAAAAJAAAAAAAAAAHAAAAAAAAAAAAAAAAAAAAAAAAAAAAAAAAAAAAf39/ACUAAABYAAAAAAAAAAAAAAAAAAAAAAAAAAAAAAAAAAAAAAAAAAAAAAAAAAAAAAAAAAAAAAA/AAAAAAAAAKCGAQAAAAAAAAAAAAAAAAAMAAAAAQAAAAAAAAAAAAAAAAAAAB8AAABUAAAAAAAABQAAAAEAAAAAAAAAAAAAAAAAAAAAAAAAAAAAAAAAAAAAAAAAAAAAAAJ/f38AAAAAA8zMzADAwP8Af39/AAAAAAAAAAAAAAAAAAAAAAAAAAAAIQAAABgAAAAUAAAAwAMAAK8BAAA/RwAAuggAABAAAAAmAAAACAAAAD0gAAAAAAAA"/>
               </a:ext>
             </a:extLst>
           </p:cNvSpPr>
@@ -1413,7 +1416,7 @@
             <a:spLocks noGrp="1" noChangeArrowheads="1"/>
             <a:extLst>
               <a:ext uri="smNativeData">
-                <pr:smNativeData xmlns="smNativeData" xmlns:pr="smNativeData" xmlns:p15="http://schemas.microsoft.com/office/powerpoint/2012/main" xmlns:p14="http://schemas.microsoft.com/office/powerpoint/2010/main" xmlns:mc="http://schemas.openxmlformats.org/markup-compatibility/2006" val="SMDATA_15_q5OGZBMAAAAlAAAAZAAAAA0AAAAAAAAAAAAAAAAAAAAAAAAAAAAAAAAAAAAAAAAAAAEAAABQAAAAAAAAAAAA4D8AAAAAAADgPwAAAAAAAOA/AAAAAAAA4D8AAAAAAADgPwAAAAAAAOA/AAAAAAAA4D8AAAAAAADgPwAAAAAAAOA/AAAAAAAA4D8CAAAAjAAAAAAAAAAAAAAARHLEDP///wgAAAAAAAAAAAAAAAAAAAAAAAAAAAAAAAAAAAAAZAAAAAEAAABAAAAAAAAAAAAAAAAAAAAAAAAAAAAAAAAAAAAAAAAAAAAAAAAAAAAAAAAAAAAAAAAAAAAAAAAAAAAAAAAAAAAAAAAAAAAAAAAAAAAAAAAAAAAAAAAAAAAAFAAAADwAAAAAAAAAAAAAAAAAAAkUAAAAAQAAABQAAAAUAAAAFAAAAAEAAAAAAAAAZAAAAGQAAAAAAAAAZAAAAGQAAAAVAAAAYAAAAAAAAAAAAAAADwAAACADAAAAAAAAAAAAAAEAAACgMgAAVgcAAKr4//8BAAAAf39/AAEAAABkAAAAAAAAABQAAABAHwAAAAAAACYAAAAAAAAAwOD//wAAAAAmAAAAZAAAABYAAABMAAAAAAAAAAAAAAAEAAAAAAAAAAEAAADn5uYKAAAAACgAAAAoAAAAZAAAAGQAAAAAAAAAzMzMAAAAAABQAAAAUAAAAGQAAABkAAAAAAAAABcAAAAUAAAAAAAAAAAAAAD/fwAA/38AAAAAAAAJAAAABAAAAAAAAAAeAAAAaAAAAAAAAAAAAAAAAAAAAAAAAAAAAAAAECcAABAnAAAAAAAAAAAAAAAAAAAAAAAAAAAAAAAAAAAAAAAAAAAAABQAAAAAAAAAwMD/AAAAAABkAAAAMgAAAAAAAABkAAAAAAAAAH9/fwAKAAAAIgAAABgAAAAAAAAAAAAAAAAAAAAAAAAAAAAAAAAAAAAkAAAAJAAAAAAAAAAHAAAAAAAAAAAAAAAAAAAAAAAAAAAAAAAAAAAAf39/ACUAAABYAAAAAAAAAAAAAAAAAAAAAAAAAAAAAAAAAAAAAAAAAAAAAAAAAAAAAAAAAAAAAAA/AAAAAAAAAKCGAQAAAAAAAAAAAAAAAAAMAAAAAQAAAAAAAAAAAAAAAAAAAB8AAABUAAAAAAAABQAAAAEAAAAAAAAAAAAAAAAAAAAAAAAAAAAAAAAAAAAAAAAAAAAAAAJ/f38AAAAAA8zMzADAwP8Af39/AAAAAAAAAAAAAAAAAAAAAAAAAAAAIQAAABgAAAAUAAAAwAMAAN8JAACwJAAAihUAABAAAAAmAAAACAAAAD0gAAAAAAAA"/>
+                <pr:smNativeData xmlns:mc="http://schemas.openxmlformats.org/markup-compatibility/2006" xmlns:p14="http://schemas.microsoft.com/office/powerpoint/2010/main" xmlns:p15="http://schemas.microsoft.com/office/powerpoint/2012/main" xmlns:pr="smNativeData" xmlns="smNativeData" val="SMDATA_15_q5OGZBMAAAAlAAAAZAAAAA0AAAAAAAAAAAAAAAAAAAAAAAAAAAAAAAAAAAAAAAAAAAEAAABQAAAAAAAAAAAA4D8AAAAAAADgPwAAAAAAAOA/AAAAAAAA4D8AAAAAAADgPwAAAAAAAOA/AAAAAAAA4D8AAAAAAADgPwAAAAAAAOA/AAAAAAAA4D8CAAAAjAAAAAAAAAAAAAAARHLEDP///wgAAAAAAAAAAAAAAAAAAAAAAAAAAAAAAAAAAAAAZAAAAAEAAABAAAAAAAAAAAAAAAAAAAAAAAAAAAAAAAAAAAAAAAAAAAAAAAAAAAAAAAAAAAAAAAAAAAAAAAAAAAAAAAAAAAAAAAAAAAAAAAAAAAAAAAAAAAAAAAAAAAAAFAAAADwAAAAAAAAAAAAAAAAAAAkUAAAAAQAAABQAAAAUAAAAFAAAAAEAAAAAAAAAZAAAAGQAAAAAAAAAZAAAAGQAAAAVAAAAYAAAAAAAAAAAAAAADwAAACADAAAAAAAAAAAAAAEAAACgMgAAVgcAAKr4//8BAAAAf39/AAEAAABkAAAAAAAAABQAAABAHwAAAAAAACYAAAAAAAAAwOD//wAAAAAmAAAAZAAAABYAAABMAAAAAAAAAAAAAAAEAAAAAAAAAAEAAADn5uYKAAAAACgAAAAoAAAAZAAAAGQAAAAAAAAAzMzMAAAAAABQAAAAUAAAAGQAAABkAAAAAAAAABcAAAAUAAAAAAAAAAAAAAD/fwAA/38AAAAAAAAJAAAABAAAAAAAAAAeAAAAaAAAAAAAAAAAAAAAAAAAAAAAAAAAAAAAECcAABAnAAAAAAAAAAAAAAAAAAAAAAAAAAAAAAAAAAAAAAAAAAAAABQAAAAAAAAAwMD/AAAAAABkAAAAMgAAAAAAAABkAAAAAAAAAH9/fwAKAAAAIgAAABgAAAAAAAAAAAAAAAAAAAAAAAAAAAAAAAAAAAAkAAAAJAAAAAAAAAAHAAAAAAAAAAAAAAAAAAAAAAAAAAAAAAAAAAAAf39/ACUAAABYAAAAAAAAAAAAAAAAAAAAAAAAAAAAAAAAAAAAAAAAAAAAAAAAAAAAAAAAAAAAAAA/AAAAAAAAAKCGAQAAAAAAAAAAAAAAAAAMAAAAAQAAAAAAAAAAAAAAAAAAAB8AAABUAAAAAAAABQAAAAEAAAAAAAAAAAAAAAAAAAAAAAAAAAAAAAAAAAAAAAAAAAAAAAJ/f38AAAAAA8zMzADAwP8Af39/AAAAAAAAAAAAAAAAAAAAAAAAAAAAIQAAABgAAAAUAAAAwAMAAN8JAACwJAAAihUAABAAAAAmAAAACAAAAD0gAAAAAAAA"/>
               </a:ext>
             </a:extLst>
           </p:cNvSpPr>
@@ -1449,7 +1452,7 @@
             <a:spLocks noGrp="1" noChangeArrowheads="1"/>
             <a:extLst>
               <a:ext uri="smNativeData">
-                <pr:smNativeData xmlns="smNativeData" xmlns:pr="smNativeData" xmlns:p15="http://schemas.microsoft.com/office/powerpoint/2012/main" xmlns:p14="http://schemas.microsoft.com/office/powerpoint/2010/main" xmlns:mc="http://schemas.openxmlformats.org/markup-compatibility/2006" val="SMDATA_15_q5OGZBMAAAAlAAAAZAAAAA0AAAAAAAAAAAAAAAAAAAAAAAAAAAAAAAAAAAAAAAAAAAEAAABQAAAAAAAAAAAA4D8AAAAAAADgPwAAAAAAAOA/AAAAAAAA4D8AAAAAAADgPwAAAAAAAOA/AAAAAAAA4D8AAAAAAADgPwAAAAAAAOA/AAAAAAAA4D8CAAAAjAAAAAAAAAAAAAAARHLEDP///wgAAAAAAAAAAAAAAAAAAAAAAAAAAAAAAAAAAAAAZAAAAAEAAABAAAAAAAAAAAAAAAAAAAAAAAAAAAAAAAAAAAAAAAAAAAAAAAAAAAAAAAAAAAAAAAAAAAAAAAAAAAAAAAAAAAAAAAAAAAAAAAAAAAAAAAAAAAAAAAAAAAAAFAAAADwAAAAAAAAAAAAAAAAAAAkUAAAAAQAAABQAAAAUAAAAFAAAAAEAAAAAAAAAZAAAAGQAAAAAAAAAZAAAAGQAAAAVAAAAYAAAAAAAAAAAAAAADwAAACADAAAAAAAAAAAAAAEAAACgMgAAVgcAAKr4//8BAAAAf39/AAEAAABkAAAAAAAAABQAAABAHwAAAAAAACYAAAAAAAAAwOD//wAAAAAmAAAAZAAAABYAAABMAAAAAAAAAAAAAAAEAAAAAAAAAAEAAADn5uYKAAAAACgAAAAoAAAAZAAAAGQAAAAAAAAAzMzMAAAAAABQAAAAUAAAAGQAAABkAAAAAAAAABcAAAAUAAAAAAAAAAAAAAD/fwAA/38AAAAAAAAJAAAABAAAACEAAAAeAAAAaAAAAAAAAAAAAAAAAAAAAAAAAAAAAAAAECcAABAnAAAAAAAAAAAAAAAAAAAAAAAAAAAAAAAAAAAAAAAAAAAAABQAAAAAAAAAwMD/AAAAAABkAAAAMgAAAAAAAABkAAAAAAAAAH9/fwAKAAAAIgAAABgAAAAAAAAAAAAAAAAAAAAAAAAAAAAAAAAAAAAkAAAAJAAAAAAAAAAHAAAAAAAAAAAAAAAAAAAAAAAAAAAAAAAAAAAAf39/ACUAAABYAAAAAAAAAAAAAAAAAAAAAAAAAAAAAAAAAAAAAAAAAAAAAAAAAAAAAAAAAAAAAAA/AAAAAAAAAKCGAQAAAAAAAAAAAAAAAAAMAAAAAQAAAAAAAAAAAAAAAAAAAB8AAABUAAAAAAAABQAAAAEAAAAAAAAAAAAAAAAAAAAAAAAAAAAAAAAAAAAAAAAAAAAAAAJ/f38AAAAAA8zMzADAwP8Af39/AAAAAAAAAAAAAAAAAAAAAAAAAAAAIQAAABgAAAAUAAAAViYAAN8JAABGRwAAViIAABAAAAAmAAAACAAAAD0gAAAAAAAA"/>
+                <pr:smNativeData xmlns:mc="http://schemas.openxmlformats.org/markup-compatibility/2006" xmlns:p14="http://schemas.microsoft.com/office/powerpoint/2010/main" xmlns:p15="http://schemas.microsoft.com/office/powerpoint/2012/main" xmlns:pr="smNativeData" xmlns="smNativeData" val="SMDATA_15_q5OGZBMAAAAlAAAAZAAAAA0AAAAAAAAAAAAAAAAAAAAAAAAAAAAAAAAAAAAAAAAAAAEAAABQAAAAAAAAAAAA4D8AAAAAAADgPwAAAAAAAOA/AAAAAAAA4D8AAAAAAADgPwAAAAAAAOA/AAAAAAAA4D8AAAAAAADgPwAAAAAAAOA/AAAAAAAA4D8CAAAAjAAAAAAAAAAAAAAARHLEDP///wgAAAAAAAAAAAAAAAAAAAAAAAAAAAAAAAAAAAAAZAAAAAEAAABAAAAAAAAAAAAAAAAAAAAAAAAAAAAAAAAAAAAAAAAAAAAAAAAAAAAAAAAAAAAAAAAAAAAAAAAAAAAAAAAAAAAAAAAAAAAAAAAAAAAAAAAAAAAAAAAAAAAAFAAAADwAAAAAAAAAAAAAAAAAAAkUAAAAAQAAABQAAAAUAAAAFAAAAAEAAAAAAAAAZAAAAGQAAAAAAAAAZAAAAGQAAAAVAAAAYAAAAAAAAAAAAAAADwAAACADAAAAAAAAAAAAAAEAAACgMgAAVgcAAKr4//8BAAAAf39/AAEAAABkAAAAAAAAABQAAABAHwAAAAAAACYAAAAAAAAAwOD//wAAAAAmAAAAZAAAABYAAABMAAAAAAAAAAAAAAAEAAAAAAAAAAEAAADn5uYKAAAAACgAAAAoAAAAZAAAAGQAAAAAAAAAzMzMAAAAAABQAAAAUAAAAGQAAABkAAAAAAAAABcAAAAUAAAAAAAAAAAAAAD/fwAA/38AAAAAAAAJAAAABAAAACEAAAAeAAAAaAAAAAAAAAAAAAAAAAAAAAAAAAAAAAAAECcAABAnAAAAAAAAAAAAAAAAAAAAAAAAAAAAAAAAAAAAAAAAAAAAABQAAAAAAAAAwMD/AAAAAABkAAAAMgAAAAAAAABkAAAAAAAAAH9/fwAKAAAAIgAAABgAAAAAAAAAAAAAAAAAAAAAAAAAAAAAAAAAAAAkAAAAJAAAAAAAAAAHAAAAAAAAAAAAAAAAAAAAAAAAAAAAAAAAAAAAf39/ACUAAABYAAAAAAAAAAAAAAAAAAAAAAAAAAAAAAAAAAAAAAAAAAAAAAAAAAAAAAAAAAAAAAA/AAAAAAAAAKCGAQAAAAAAAAAAAAAAAAAMAAAAAQAAAAAAAAAAAAAAAAAAAB8AAABUAAAAAAAABQAAAAEAAAAAAAAAAAAAAAAAAAAAAAAAAAAAAAAAAAAAAAAAAAAAAAJ/f38AAAAAA8zMzADAwP8Af39/AAAAAAAAAAAAAAAAAAAAAAAAAAAAIQAAABgAAAAUAAAAViYAAN8JAABGRwAAViIAABAAAAAmAAAACAAAAD0gAAAAAAAA"/>
               </a:ext>
             </a:extLst>
           </p:cNvSpPr>
@@ -1485,7 +1488,7 @@
             <a:spLocks noGrp="1" noChangeArrowheads="1"/>
             <a:extLst>
               <a:ext uri="smNativeData">
-                <pr:smNativeData xmlns="smNativeData" xmlns:pr="smNativeData" xmlns:p15="http://schemas.microsoft.com/office/powerpoint/2012/main" xmlns:p14="http://schemas.microsoft.com/office/powerpoint/2010/main" xmlns:mc="http://schemas.openxmlformats.org/markup-compatibility/2006" val="SMDATA_15_q5OGZBMAAAAlAAAAZAAAAA0AAAAAAAAAAAAAAAAAAAAAAAAAAAAAAAAAAAAAAAAAAAEAAABQAAAAAAAAAAAA4D8AAAAAAADgPwAAAAAAAOA/AAAAAAAA4D8AAAAAAADgPwAAAAAAAOA/AAAAAAAA4D8AAAAAAADgPwAAAAAAAOA/AAAAAAAA4D8CAAAAjAAAAAAAAAAAAAAARHLEDP///wgAAAAAAAAAAAAAAAAAAAAAAAAAAAAAAAAAAAAAZAAAAAEAAABAAAAAAAAAAAAAAAAAAAAAAAAAAAAAAAAAAAAAAAAAAAAAAAAAAAAAAAAAAAAAAAAAAAAAAAAAAAAAAAAAAAAAAAAAAAAAAAAAAAAAAAAAAAAAAAAAAAAAFAAAADwAAAAAAAAAAAAAAAAAAAkUAAAAAQAAABQAAAAUAAAAFAAAAAEAAAAAAAAAZAAAAGQAAAAAAAAAZAAAAGQAAAAVAAAAYAAAAAAAAAAAAAAADwAAACADAAAAAAAAAAAAAAEAAACgMgAAVgcAAKr4//8BAAAAf39/AAEAAABkAAAAAAAAABQAAABAHwAAAAAAACYAAAAAAAAAwOD//wAAAAAmAAAAZAAAABYAAABMAAAAAAAAAAAAAAAEAAAAAAAAAAEAAADn5uYKAAAAACgAAAAoAAAAZAAAAGQAAAAAAAAAzMzMAAAAAABQAAAAUAAAAGQAAABkAAAAAAAAABcAAAAUAAAAAAAAAAAAAAD/fwAA/38AAAAAAAAJAAAABAAAAAAAAAAeAAAAaAAAAAAAAAAAAAAAAAAAAAAAAAAAAAAAECcAABAnAAAAAAAAAAAAAAAAAAAAAAAAAAAAAAAAAAAAAAAAAAAAABQAAAAAAAAAwMD/AAAAAABkAAAAMgAAAAAAAABkAAAAAAAAAH9/fwAKAAAAIgAAABgAAAAAAAAAAAAAAAAAAAAAAAAAAAAAAAAAAAAkAAAAJAAAAAAAAAAHAAAAAAAAAAAAAAAAAAAAAAAAAAAAAAAAAAAAf39/ACUAAABYAAAAAAAAAAAAAAAAAAAAAAAAAAAAAAAAAAAAAAAAAAAAAAAAAAAAAAAAAAAAAAA/AAAAAAAAAKCGAQAAAAAAAAAAAAAAAAAMAAAAAQAAAAAAAAAAAAAAAAAAAB8AAABUAAAAAAAABQAAAAEAAAAAAAAAAAAAAAAAAAAAAAAAAAAAAAAAAAAAAAAAAAAAAAJ/f38AAAAAA8zMzADAwP8Af39/AAAAAAAAAAAAAAAAAAAAAAAAAAAAIQAAABgAAAAUAAAAwAMAAKcWAACwJAAAUiIAABAAAAAmAAAACAAAAD0gAAAAAAAA"/>
+                <pr:smNativeData xmlns:mc="http://schemas.openxmlformats.org/markup-compatibility/2006" xmlns:p14="http://schemas.microsoft.com/office/powerpoint/2010/main" xmlns:p15="http://schemas.microsoft.com/office/powerpoint/2012/main" xmlns:pr="smNativeData" xmlns="smNativeData" val="SMDATA_15_q5OGZBMAAAAlAAAAZAAAAA0AAAAAAAAAAAAAAAAAAAAAAAAAAAAAAAAAAAAAAAAAAAEAAABQAAAAAAAAAAAA4D8AAAAAAADgPwAAAAAAAOA/AAAAAAAA4D8AAAAAAADgPwAAAAAAAOA/AAAAAAAA4D8AAAAAAADgPwAAAAAAAOA/AAAAAAAA4D8CAAAAjAAAAAAAAAAAAAAARHLEDP///wgAAAAAAAAAAAAAAAAAAAAAAAAAAAAAAAAAAAAAZAAAAAEAAABAAAAAAAAAAAAAAAAAAAAAAAAAAAAAAAAAAAAAAAAAAAAAAAAAAAAAAAAAAAAAAAAAAAAAAAAAAAAAAAAAAAAAAAAAAAAAAAAAAAAAAAAAAAAAAAAAAAAAFAAAADwAAAAAAAAAAAAAAAAAAAkUAAAAAQAAABQAAAAUAAAAFAAAAAEAAAAAAAAAZAAAAGQAAAAAAAAAZAAAAGQAAAAVAAAAYAAAAAAAAAAAAAAADwAAACADAAAAAAAAAAAAAAEAAACgMgAAVgcAAKr4//8BAAAAf39/AAEAAABkAAAAAAAAABQAAABAHwAAAAAAACYAAAAAAAAAwOD//wAAAAAmAAAAZAAAABYAAABMAAAAAAAAAAAAAAAEAAAAAAAAAAEAAADn5uYKAAAAACgAAAAoAAAAZAAAAGQAAAAAAAAAzMzMAAAAAABQAAAAUAAAAGQAAABkAAAAAAAAABcAAAAUAAAAAAAAAAAAAAD/fwAA/38AAAAAAAAJAAAABAAAAAAAAAAeAAAAaAAAAAAAAAAAAAAAAAAAAAAAAAAAAAAAECcAABAnAAAAAAAAAAAAAAAAAAAAAAAAAAAAAAAAAAAAAAAAAAAAABQAAAAAAAAAwMD/AAAAAABkAAAAMgAAAAAAAABkAAAAAAAAAH9/fwAKAAAAIgAAABgAAAAAAAAAAAAAAAAAAAAAAAAAAAAAAAAAAAAkAAAAJAAAAAAAAAAHAAAAAAAAAAAAAAAAAAAAAAAAAAAAAAAAAAAAf39/ACUAAABYAAAAAAAAAAAAAAAAAAAAAAAAAAAAAAAAAAAAAAAAAAAAAAAAAAAAAAAAAAAAAAA/AAAAAAAAAKCGAQAAAAAAAAAAAAAAAAAMAAAAAQAAAAAAAAAAAAAAAAAAAB8AAABUAAAAAAAABQAAAAEAAAAAAAAAAAAAAAAAAAAAAAAAAAAAAAAAAAAAAAAAAAAAAAJ/f38AAAAAA8zMzADAwP8Af39/AAAAAAAAAAAAAAAAAAAAAAAAAAAAIQAAABgAAAAUAAAAwAMAAKcWAACwJAAAUiIAABAAAAAmAAAACAAAAD0gAAAAAAAA"/>
               </a:ext>
             </a:extLst>
           </p:cNvSpPr>
@@ -1546,7 +1549,7 @@
             <a:spLocks noGrp="1" noChangeArrowheads="1"/>
             <a:extLst>
               <a:ext uri="smNativeData">
-                <pr:smNativeData xmlns="smNativeData" xmlns:pr="smNativeData" xmlns:p15="http://schemas.microsoft.com/office/powerpoint/2012/main" xmlns:p14="http://schemas.microsoft.com/office/powerpoint/2010/main" xmlns:mc="http://schemas.openxmlformats.org/markup-compatibility/2006" val="SMDATA_15_q5OGZBMAAAAlAAAAZAAAAA0AAAAAAAAAAAAAAAAAAAAAAAAAAAAAAAABAAAAAAAAAAEAAABQAAAAAAAAAAAA4D8AAAAAAADgPwAAAAAAAOA/AAAAAAAA4D8AAAAAAADgPwAAAAAAAOA/AAAAAAAA4D8AAAAAAADgPwAAAAAAAOA/AAAAAAAA4D8CAAAAjAAAAAAAAAAAAAAARHLEDP///wgAAAAAAAAAAAAAAAAAAAAAAAAAAAAAAAAAAAAAZAAAAAEAAABAAAAAAAAAAAAAAAAAAAAAAAAAAAAAAAAAAAAAAAAAAAAAAAAAAAAAAAAAAAAAAAAAAAAAAAAAAAAAAAAAAAAAAAAAAAAAAAAAAAAAAAAAAAAAAAAAAAAAFAAAADwAAAAAAAAAAAAAAAAAAAkUAAAAAQAAABQAAAAUAAAAFAAAAAEAAAAAAAAAZAAAAGQAAAAAAAAAZAAAAGQAAAAVAAAAYAAAAAAAAAAAAAAADwAAACADAAAAAAAAAAAAAAEAAACgMgAAVgcAAKr4//8BAAAAf39/AAEAAABkAAAAAAAAABQAAABAHwAAAAAAACYAAAAAAAAAwOD//wAAAAAmAAAAZAAAABYAAABMAAAAAAAAAAAAAAAEAAAAAAAAAAEAAADn5uYKAAAAACgAAAAoAAAAZAAAAGQAAAAAAAAAzMzMAAAAAABQAAAAUAAAAGQAAABkAAAAAAAAABcAAAAUAAAAAAAAAAAAAAD/fwAA/38AAAAAAAAJAAAABAAAAAAAAAAeAAAAaAAAAAAAAAAAAAAAAAAAAAAAAAAAAAAAECcAABAnAAAAAAAAAAAAAAAAAAAAAAAAAAAAAAAAAAAAAAAAAAAAABQAAAAAAAAAwMD/AAAAAABkAAAAMgAAAAAAAABkAAAAAAAAAH9/fwAKAAAAIgAAABgAAAAAAAAAAAAAAAAAAAAAAAAAAAAAAAAAAAAkAAAAJAAAAAAAAAAHAAAAAAAAAAAAAAAAAAAAAAAAAAAAAAAAAAAAf39/ACUAAABYAAAAAAAAAAAAAAAAAAAAAAAAAAAAAAAAAAAAAAAAAAAAAAAAAAAAAAAAAAAAAAA/AAAAAAAAAKCGAQAAAAAAAAAAAAAAAAAMAAAAAQAAAAAAAAAAAAAAAAAAAB8AAABUAAAAAAAABQAAAAEAAAAAAAAAAAAAAAAAAAAAAAAAAAAAAAAAAAAAAAAAAAAAAAJ/f38AAAAAA8zMzADAwP8Af39/AAAAAAAAAAAAAAAAAAAAAAAAAAAAIQAAABgAAAAUAAAAwAMAAK8BAAA/RwAAuggAABAAAAAmAAAACAAAAD0gAAAAAAAA"/>
+                <pr:smNativeData xmlns:mc="http://schemas.openxmlformats.org/markup-compatibility/2006" xmlns:p14="http://schemas.microsoft.com/office/powerpoint/2010/main" xmlns:p15="http://schemas.microsoft.com/office/powerpoint/2012/main" xmlns:pr="smNativeData" xmlns="smNativeData" val="SMDATA_15_q5OGZBMAAAAlAAAAZAAAAA0AAAAAAAAAAAAAAAAAAAAAAAAAAAAAAAABAAAAAAAAAAEAAABQAAAAAAAAAAAA4D8AAAAAAADgPwAAAAAAAOA/AAAAAAAA4D8AAAAAAADgPwAAAAAAAOA/AAAAAAAA4D8AAAAAAADgPwAAAAAAAOA/AAAAAAAA4D8CAAAAjAAAAAAAAAAAAAAARHLEDP///wgAAAAAAAAAAAAAAAAAAAAAAAAAAAAAAAAAAAAAZAAAAAEAAABAAAAAAAAAAAAAAAAAAAAAAAAAAAAAAAAAAAAAAAAAAAAAAAAAAAAAAAAAAAAAAAAAAAAAAAAAAAAAAAAAAAAAAAAAAAAAAAAAAAAAAAAAAAAAAAAAAAAAFAAAADwAAAAAAAAAAAAAAAAAAAkUAAAAAQAAABQAAAAUAAAAFAAAAAEAAAAAAAAAZAAAAGQAAAAAAAAAZAAAAGQAAAAVAAAAYAAAAAAAAAAAAAAADwAAACADAAAAAAAAAAAAAAEAAACgMgAAVgcAAKr4//8BAAAAf39/AAEAAABkAAAAAAAAABQAAABAHwAAAAAAACYAAAAAAAAAwOD//wAAAAAmAAAAZAAAABYAAABMAAAAAAAAAAAAAAAEAAAAAAAAAAEAAADn5uYKAAAAACgAAAAoAAAAZAAAAGQAAAAAAAAAzMzMAAAAAABQAAAAUAAAAGQAAABkAAAAAAAAABcAAAAUAAAAAAAAAAAAAAD/fwAA/38AAAAAAAAJAAAABAAAAAAAAAAeAAAAaAAAAAAAAAAAAAAAAAAAAAAAAAAAAAAAECcAABAnAAAAAAAAAAAAAAAAAAAAAAAAAAAAAAAAAAAAAAAAAAAAABQAAAAAAAAAwMD/AAAAAABkAAAAMgAAAAAAAABkAAAAAAAAAH9/fwAKAAAAIgAAABgAAAAAAAAAAAAAAAAAAAAAAAAAAAAAAAAAAAAkAAAAJAAAAAAAAAAHAAAAAAAAAAAAAAAAAAAAAAAAAAAAAAAAAAAAf39/ACUAAABYAAAAAAAAAAAAAAAAAAAAAAAAAAAAAAAAAAAAAAAAAAAAAAAAAAAAAAAAAAAAAAA/AAAAAAAAAKCGAQAAAAAAAAAAAAAAAAAMAAAAAQAAAAAAAAAAAAAAAAAAAB8AAABUAAAAAAAABQAAAAEAAAAAAAAAAAAAAAAAAAAAAAAAAAAAAAAAAAAAAAAAAAAAAAJ/f38AAAAAA8zMzADAwP8Af39/AAAAAAAAAAAAAAAAAAAAAAAAAAAAIQAAABgAAAAUAAAAwAMAAK8BAAA/RwAAuggAABAAAAAmAAAACAAAAD0gAAAAAAAA"/>
               </a:ext>
             </a:extLst>
           </p:cNvSpPr>
@@ -1582,7 +1585,7 @@
             <a:spLocks noGrp="1" noChangeArrowheads="1"/>
             <a:extLst>
               <a:ext uri="smNativeData">
-                <pr:smNativeData xmlns="smNativeData" xmlns:pr="smNativeData" xmlns:p15="http://schemas.microsoft.com/office/powerpoint/2012/main" xmlns:p14="http://schemas.microsoft.com/office/powerpoint/2010/main" xmlns:mc="http://schemas.openxmlformats.org/markup-compatibility/2006" val="SMDATA_15_q5OGZBMAAAAlAAAAZAAAAA0AAAAAAAAAAAAAAAAAAAAAAAAAAAAAAAABAAAAAAAAAAEAAABQAAAAAAAAAAAA4D8AAAAAAADgPwAAAAAAAOA/AAAAAAAA4D8AAAAAAADgPwAAAAAAAOA/AAAAAAAA4D8AAAAAAADgPwAAAAAAAOA/AAAAAAAA4D8CAAAAjAAAAAAAAAAAAAAARHLEDP///wgAAAAAAAAAAAAAAAAAAAAAAAAAAAAAAAAAAAAAZAAAAAEAAABAAAAAAAAAAAAAAAAAAAAAAAAAAAAAAAAAAAAAAAAAAAAAAAAAAAAAAAAAAAAAAAAAAAAAAAAAAAAAAAAAAAAAAAAAAAAAAAAAAAAAAAAAAAAAAAAAAAAAFAAAADwAAAAAAAAAAAAAAAAAAAkUAAAAAQAAABQAAAAUAAAAFAAAAAEAAAAAAAAAZAAAAGQAAAAAAAAAZAAAAGQAAAAVAAAAYAAAAAAAAAAAAAAADwAAACADAAAAAAAAAAAAAAEAAACgMgAAVgcAAKr4//8BAAAAf39/AAEAAABkAAAAAAAAABQAAABAHwAAAAAAACYAAAAAAAAAwOD//wAAAAAmAAAAZAAAABYAAABMAAAAAAAAAAAAAAAEAAAAAAAAAAEAAADn5uYKAAAAACgAAAAoAAAAZAAAAGQAAAAAAAAAzMzMAAAAAABQAAAAUAAAAGQAAABkAAAAAAAAABcAAAAUAAAAAAAAAAAAAAD/fwAA/38AAAAAAAAJAAAABAAAAAAAAAAeAAAAaAAAAAAAAAAAAAAAAAAAAAAAAAAAAAAAECcAABAnAAAAAAAAAAAAAAAAAAAAAAAAAAAAAAAAAAAAAAAAAAAAABQAAAAAAAAAwMD/AAAAAABkAAAAMgAAAAAAAABkAAAAAAAAAH9/fwAKAAAAIgAAABgAAAAAAAAAAAAAAAAAAAAAAAAAAAAAAAAAAAAkAAAAJAAAAAAAAAAHAAAAAAAAAAAAAAAAAAAAAAAAAAAAAAAAAAAAf39/ACUAAABYAAAAAAAAAAAAAAAAAAAAAAAAAAAAAAAAAAAAAAAAAAAAAAAAAAAAAAAAAAAAAAA/AAAAAAAAAKCGAQAAAAAAAAAAAAAAAAAMAAAAAQAAAAAAAAAAAAAAAAAAAB8AAABUAAAAAAAABQAAAAEAAAAAAAAAAAAAAAAAAAAAAAAAAAAAAAAAAAAAAAAAAAAAAAJ/f38AAAAAA8zMzADAwP8Af39/AAAAAAAAAAAAAAAAAAAAAAAAAAAAIQAAABgAAAAUAAAAwAMAAN8JAAA/RwAAViIAABAAAAAmAAAACAAAALwgAAAAAAAA"/>
+                <pr:smNativeData xmlns:mc="http://schemas.openxmlformats.org/markup-compatibility/2006" xmlns:p14="http://schemas.microsoft.com/office/powerpoint/2010/main" xmlns:p15="http://schemas.microsoft.com/office/powerpoint/2012/main" xmlns:pr="smNativeData" xmlns="smNativeData" val="SMDATA_15_q5OGZBMAAAAlAAAAZAAAAA0AAAAAAAAAAAAAAAAAAAAAAAAAAAAAAAABAAAAAAAAAAEAAABQAAAAAAAAAAAA4D8AAAAAAADgPwAAAAAAAOA/AAAAAAAA4D8AAAAAAADgPwAAAAAAAOA/AAAAAAAA4D8AAAAAAADgPwAAAAAAAOA/AAAAAAAA4D8CAAAAjAAAAAAAAAAAAAAARHLEDP///wgAAAAAAAAAAAAAAAAAAAAAAAAAAAAAAAAAAAAAZAAAAAEAAABAAAAAAAAAAAAAAAAAAAAAAAAAAAAAAAAAAAAAAAAAAAAAAAAAAAAAAAAAAAAAAAAAAAAAAAAAAAAAAAAAAAAAAAAAAAAAAAAAAAAAAAAAAAAAAAAAAAAAFAAAADwAAAAAAAAAAAAAAAAAAAkUAAAAAQAAABQAAAAUAAAAFAAAAAEAAAAAAAAAZAAAAGQAAAAAAAAAZAAAAGQAAAAVAAAAYAAAAAAAAAAAAAAADwAAACADAAAAAAAAAAAAAAEAAACgMgAAVgcAAKr4//8BAAAAf39/AAEAAABkAAAAAAAAABQAAABAHwAAAAAAACYAAAAAAAAAwOD//wAAAAAmAAAAZAAAABYAAABMAAAAAAAAAAAAAAAEAAAAAAAAAAEAAADn5uYKAAAAACgAAAAoAAAAZAAAAGQAAAAAAAAAzMzMAAAAAABQAAAAUAAAAGQAAABkAAAAAAAAABcAAAAUAAAAAAAAAAAAAAD/fwAA/38AAAAAAAAJAAAABAAAAAAAAAAeAAAAaAAAAAAAAAAAAAAAAAAAAAAAAAAAAAAAECcAABAnAAAAAAAAAAAAAAAAAAAAAAAAAAAAAAAAAAAAAAAAAAAAABQAAAAAAAAAwMD/AAAAAABkAAAAMgAAAAAAAABkAAAAAAAAAH9/fwAKAAAAIgAAABgAAAAAAAAAAAAAAAAAAAAAAAAAAAAAAAAAAAAkAAAAJAAAAAAAAAAHAAAAAAAAAAAAAAAAAAAAAAAAAAAAAAAAAAAAf39/ACUAAABYAAAAAAAAAAAAAAAAAAAAAAAAAAAAAAAAAAAAAAAAAAAAAAAAAAAAAAAAAAAAAAA/AAAAAAAAAKCGAQAAAAAAAAAAAAAAAAAMAAAAAQAAAAAAAAAAAAAAAAAAAB8AAABUAAAAAAAABQAAAAEAAAAAAAAAAAAAAAAAAAAAAAAAAAAAAAAAAAAAAAAAAAAAAAJ/f38AAAAAA8zMzADAwP8Af39/AAAAAAAAAAAAAAAAAAAAAAAAAAAAIQAAABgAAAAUAAAAwAMAAN8JAAA/RwAAViIAABAAAAAmAAAACAAAALwgAAAAAAAA"/>
               </a:ext>
             </a:extLst>
           </p:cNvSpPr>
@@ -1638,7 +1641,7 @@
             <a:spLocks noGrp="1" noChangeArrowheads="1"/>
             <a:extLst>
               <a:ext uri="smNativeData">
-                <pr:smNativeData xmlns="smNativeData" xmlns:pr="smNativeData" xmlns:p15="http://schemas.microsoft.com/office/powerpoint/2012/main" xmlns:p14="http://schemas.microsoft.com/office/powerpoint/2010/main" xmlns:mc="http://schemas.openxmlformats.org/markup-compatibility/2006" val="SMDATA_15_q5OGZBMAAAAlAAAAZAAAAA0AAAAAAAAAAAAAAAAAAAAAAAAAAAAAAAABAAAAAAAAAAEAAABQAAAAAAAAAAAA4D8AAAAAAADgPwAAAAAAAOA/AAAAAAAA4D8AAAAAAADgPwAAAAAAAOA/AAAAAAAA4D8AAAAAAADgPwAAAAAAAOA/AAAAAAAA4D8CAAAAjAAAAAAAAAAAAAAARHLEDP///wgAAAAAAAAAAAAAAAAAAAAAAAAAAAAAAAAAAAAAZAAAAAEAAABAAAAAAAAAAAAAAAAAAAAAAAAAAAAAAAAAAAAAAAAAAAAAAAAAAAAAAAAAAAAAAAAAAAAAAAAAAAAAAAAAAAAAAAAAAAAAAAAAAAAAAAAAAAAAAAAAAAAAFAAAADwAAAAAAAAAAAAAAAAAAAkUAAAAAQAAABQAAAAUAAAAFAAAAAEAAAAAAAAAZAAAAGQAAAAAAAAAZAAAAGQAAAAVAAAAYAAAAAAAAAAAAAAADwAAACADAAAAAAAAAAAAAAEAAACgMgAAVgcAAKr4//8BAAAAf39/AAEAAABkAAAAAAAAABQAAABAHwAAAAAAACYAAAAAAAAAwOD//wAAAAAmAAAAZAAAABYAAABMAAAAAAAAAAAAAAAEAAAAAAAAAAEAAADn5uYKAAAAACgAAAAoAAAAZAAAAGQAAAAAAAAAzMzMAAAAAABQAAAAUAAAAGQAAABkAAAAAAAAABcAAAAUAAAAAAAAAAAAAAD/fwAA/38AAAAAAAAJAAAABAAAAAAAAAAeAAAAaAAAAAAAAAAAAAAAAAAAAAAAAAAAAAAAECcAABAnAAAAAAAAAAAAAAAAAAAAAAAAAAAAAAAAAAAAAAAAAAAAABQAAAAAAAAAwMD/AAAAAABkAAAAMgAAAAAAAABkAAAAAAAAAH9/fwAKAAAAIgAAABgAAAAAAAAAAAAAAAAAAAAAAAAAAAAAAAAAAAAkAAAAJAAAAAAAAAAHAAAAAAAAAAAAAAAAAAAAAAAAAAAAAAAAAAAAf39/ACUAAABYAAAAAAAAAAAAAAAAAAAAAAAAAAAAAAAAAAAAAAAAAAAAAAAAAAAAAAAAAAAAAAA/AAAAAAAAAKCGAQAAAAAAAAAAAAAAAAAMAAAAAQAAAAAAAAAAAAAAAAAAAB8AAABUAAAAAAAABQAAAAEAAAAAAAAAAAAAAAAAAAAAAAAAAAAAAAAAAAAAAAAAAAAAAAJ/f38AAAAAA8zMzADAwP8Af39/AAAAAAAAAAAAAAAAAAAAAAAAAAAAIQAAABgAAAAUAAAAwAMAAK8BAAA/RwAAuggAABAAAAAmAAAACAAAAD0gAAAAAAAA"/>
+                <pr:smNativeData xmlns:mc="http://schemas.openxmlformats.org/markup-compatibility/2006" xmlns:p14="http://schemas.microsoft.com/office/powerpoint/2010/main" xmlns:p15="http://schemas.microsoft.com/office/powerpoint/2012/main" xmlns:pr="smNativeData" xmlns="smNativeData" val="SMDATA_15_q5OGZBMAAAAlAAAAZAAAAA0AAAAAAAAAAAAAAAAAAAAAAAAAAAAAAAABAAAAAAAAAAEAAABQAAAAAAAAAAAA4D8AAAAAAADgPwAAAAAAAOA/AAAAAAAA4D8AAAAAAADgPwAAAAAAAOA/AAAAAAAA4D8AAAAAAADgPwAAAAAAAOA/AAAAAAAA4D8CAAAAjAAAAAAAAAAAAAAARHLEDP///wgAAAAAAAAAAAAAAAAAAAAAAAAAAAAAAAAAAAAAZAAAAAEAAABAAAAAAAAAAAAAAAAAAAAAAAAAAAAAAAAAAAAAAAAAAAAAAAAAAAAAAAAAAAAAAAAAAAAAAAAAAAAAAAAAAAAAAAAAAAAAAAAAAAAAAAAAAAAAAAAAAAAAFAAAADwAAAAAAAAAAAAAAAAAAAkUAAAAAQAAABQAAAAUAAAAFAAAAAEAAAAAAAAAZAAAAGQAAAAAAAAAZAAAAGQAAAAVAAAAYAAAAAAAAAAAAAAADwAAACADAAAAAAAAAAAAAAEAAACgMgAAVgcAAKr4//8BAAAAf39/AAEAAABkAAAAAAAAABQAAABAHwAAAAAAACYAAAAAAAAAwOD//wAAAAAmAAAAZAAAABYAAABMAAAAAAAAAAAAAAAEAAAAAAAAAAEAAADn5uYKAAAAACgAAAAoAAAAZAAAAGQAAAAAAAAAzMzMAAAAAABQAAAAUAAAAGQAAABkAAAAAAAAABcAAAAUAAAAAAAAAAAAAAD/fwAA/38AAAAAAAAJAAAABAAAAAAAAAAeAAAAaAAAAAAAAAAAAAAAAAAAAAAAAAAAAAAAECcAABAnAAAAAAAAAAAAAAAAAAAAAAAAAAAAAAAAAAAAAAAAAAAAABQAAAAAAAAAwMD/AAAAAABkAAAAMgAAAAAAAABkAAAAAAAAAH9/fwAKAAAAIgAAABgAAAAAAAAAAAAAAAAAAAAAAAAAAAAAAAAAAAAkAAAAJAAAAAAAAAAHAAAAAAAAAAAAAAAAAAAAAAAAAAAAAAAAAAAAf39/ACUAAABYAAAAAAAAAAAAAAAAAAAAAAAAAAAAAAAAAAAAAAAAAAAAAAAAAAAAAAAAAAAAAAA/AAAAAAAAAKCGAQAAAAAAAAAAAAAAAAAMAAAAAQAAAAAAAAAAAAAAAAAAAB8AAABUAAAAAAAABQAAAAEAAAAAAAAAAAAAAAAAAAAAAAAAAAAAAAAAAAAAAAAAAAAAAAJ/f38AAAAAA8zMzADAwP8Af39/AAAAAAAAAAAAAAAAAAAAAAAAAAAAIQAAABgAAAAUAAAAwAMAAK8BAAA/RwAAuggAABAAAAAmAAAACAAAAD0gAAAAAAAA"/>
               </a:ext>
             </a:extLst>
           </p:cNvSpPr>
@@ -1674,7 +1677,7 @@
             <a:spLocks noGrp="1" noChangeArrowheads="1"/>
             <a:extLst>
               <a:ext uri="smNativeData">
-                <pr:smNativeData xmlns="smNativeData" xmlns:pr="smNativeData" xmlns:p15="http://schemas.microsoft.com/office/powerpoint/2012/main" xmlns:p14="http://schemas.microsoft.com/office/powerpoint/2010/main" xmlns:mc="http://schemas.openxmlformats.org/markup-compatibility/2006" val="SMDATA_15_q5OGZBMAAAAlAAAAZAAAAA0AAAAAAAAAAAAAAAAAAAAAAAAAAAAAAAAAAAAAAAAAAAEAAABQAAAAAAAAAAAA4D8AAAAAAADgPwAAAAAAAOA/AAAAAAAA4D8AAAAAAADgPwAAAAAAAOA/AAAAAAAA4D8AAAAAAADgPwAAAAAAAOA/AAAAAAAA4D8CAAAAjAAAAAAAAAAAAAAARHLEDP///wgAAAAAAAAAAAAAAAAAAAAAAAAAAAAAAAAAAAAAZAAAAAEAAABAAAAAAAAAAAAAAAAAAAAAAAAAAAAAAAAAAAAAAAAAAAAAAAAAAAAAAAAAAAAAAAAAAAAAAAAAAAAAAAAAAAAAAAAAAAAAAAAAAAAAAAAAAAAAAAAAAAAAFAAAADwAAAAAAAAAAAAAAAAAAAkUAAAAAQAAABQAAAAUAAAAFAAAAAEAAAAAAAAAZAAAAGQAAAAAAAAAZAAAAGQAAAAVAAAAYAAAAAAAAAAAAAAADwAAACADAAAAAAAAAAAAAAEAAACgMgAAVgcAAKr4//8BAAAAf39/AAEAAABkAAAAAAAAABQAAABAHwAAAAAAACYAAAAAAAAAwOD//wAAAAAmAAAAZAAAABYAAABMAAAAAAAAAAAAAAAEAAAAAAAAAAEAAADn5uYKAAAAACgAAAAoAAAAZAAAAGQAAAAAAAAAzMzMAAAAAABQAAAAUAAAAGQAAABkAAAAAAAAABcAAAAUAAAAAAAAAAAAAAD/fwAA/38AAAAAAAAJAAAABAAAAAAAAAAeAAAAaAAAAAAAAAAAAAAAAAAAAAAAAAAAAAAAECcAABAnAAAAAAAAAAAAAAAAAAAAAAAAAAAAAAAAAAAAAAAAAAAAABQAAAAAAAAAwMD/AAAAAABkAAAAMgAAAAAAAABkAAAAAAAAAH9/fwAKAAAAIgAAABgAAAAAAAAAAAAAAAAAAAAAAAAAAAAAAAAAAAAkAAAAJAAAAAAAAAAHAAAAAAAAAAAAAAAAAAAAAAAAAAAAAAAAAAAAf39/ACUAAABYAAAAAAAAAAAAAAAAAAAAAAAAAAAAAAAAAAAAAAAAAAAAAAAAAAAAAAAAAAAAAAA/AAAAAAAAAKCGAQAAAAAAAAAAAAAAAAAMAAAAAQAAAAAAAAAAAAAAAAAAAB8AAABUAAAAAAAABQAAAAEAAAAAAAAAAAAAAAAAAAAAAAAAAAAAAAAAAAAAAAAAAAAAAAJ/f38AAAAAA8zMzADAwP8Af39/AAAAAAAAAAAAAAAAAAAAAAAAAAAAIQAAABgAAAAUAAAAwAMAAN8JAACwJAAAViIAABAAAAAmAAAACAAAAD0gAAAAAAAA"/>
+                <pr:smNativeData xmlns:mc="http://schemas.openxmlformats.org/markup-compatibility/2006" xmlns:p14="http://schemas.microsoft.com/office/powerpoint/2010/main" xmlns:p15="http://schemas.microsoft.com/office/powerpoint/2012/main" xmlns:pr="smNativeData" xmlns="smNativeData" val="SMDATA_15_q5OGZBMAAAAlAAAAZAAAAA0AAAAAAAAAAAAAAAAAAAAAAAAAAAAAAAAAAAAAAAAAAAEAAABQAAAAAAAAAAAA4D8AAAAAAADgPwAAAAAAAOA/AAAAAAAA4D8AAAAAAADgPwAAAAAAAOA/AAAAAAAA4D8AAAAAAADgPwAAAAAAAOA/AAAAAAAA4D8CAAAAjAAAAAAAAAAAAAAARHLEDP///wgAAAAAAAAAAAAAAAAAAAAAAAAAAAAAAAAAAAAAZAAAAAEAAABAAAAAAAAAAAAAAAAAAAAAAAAAAAAAAAAAAAAAAAAAAAAAAAAAAAAAAAAAAAAAAAAAAAAAAAAAAAAAAAAAAAAAAAAAAAAAAAAAAAAAAAAAAAAAAAAAAAAAFAAAADwAAAAAAAAAAAAAAAAAAAkUAAAAAQAAABQAAAAUAAAAFAAAAAEAAAAAAAAAZAAAAGQAAAAAAAAAZAAAAGQAAAAVAAAAYAAAAAAAAAAAAAAADwAAACADAAAAAAAAAAAAAAEAAACgMgAAVgcAAKr4//8BAAAAf39/AAEAAABkAAAAAAAAABQAAABAHwAAAAAAACYAAAAAAAAAwOD//wAAAAAmAAAAZAAAABYAAABMAAAAAAAAAAAAAAAEAAAAAAAAAAEAAADn5uYKAAAAACgAAAAoAAAAZAAAAGQAAAAAAAAAzMzMAAAAAABQAAAAUAAAAGQAAABkAAAAAAAAABcAAAAUAAAAAAAAAAAAAAD/fwAA/38AAAAAAAAJAAAABAAAAAAAAAAeAAAAaAAAAAAAAAAAAAAAAAAAAAAAAAAAAAAAECcAABAnAAAAAAAAAAAAAAAAAAAAAAAAAAAAAAAAAAAAAAAAAAAAABQAAAAAAAAAwMD/AAAAAABkAAAAMgAAAAAAAABkAAAAAAAAAH9/fwAKAAAAIgAAABgAAAAAAAAAAAAAAAAAAAAAAAAAAAAAAAAAAAAkAAAAJAAAAAAAAAAHAAAAAAAAAAAAAAAAAAAAAAAAAAAAAAAAAAAAf39/ACUAAABYAAAAAAAAAAAAAAAAAAAAAAAAAAAAAAAAAAAAAAAAAAAAAAAAAAAAAAAAAAAAAAA/AAAAAAAAAKCGAQAAAAAAAAAAAAAAAAAMAAAAAQAAAAAAAAAAAAAAAAAAAB8AAABUAAAAAAAABQAAAAEAAAAAAAAAAAAAAAAAAAAAAAAAAAAAAAAAAAAAAAAAAAAAAAJ/f38AAAAAA8zMzADAwP8Af39/AAAAAAAAAAAAAAAAAAAAAAAAAAAAIQAAABgAAAAUAAAAwAMAAN8JAACwJAAAViIAABAAAAAmAAAACAAAAD0gAAAAAAAA"/>
               </a:ext>
             </a:extLst>
           </p:cNvSpPr>
@@ -1710,7 +1713,7 @@
             <a:spLocks noGrp="1" noChangeArrowheads="1"/>
             <a:extLst>
               <a:ext uri="smNativeData">
-                <pr:smNativeData xmlns="smNativeData" xmlns:pr="smNativeData" xmlns:p15="http://schemas.microsoft.com/office/powerpoint/2012/main" xmlns:p14="http://schemas.microsoft.com/office/powerpoint/2010/main" xmlns:mc="http://schemas.openxmlformats.org/markup-compatibility/2006" val="SMDATA_15_q5OGZBMAAAAlAAAAZAAAAA0AAAAAAAAAAAAAAAAAAAAAAAAAAAAAAAAAAAAAAAAAAAEAAABQAAAAAAAAAAAA4D8AAAAAAADgPwAAAAAAAOA/AAAAAAAA4D8AAAAAAADgPwAAAAAAAOA/AAAAAAAA4D8AAAAAAADgPwAAAAAAAOA/AAAAAAAA4D8CAAAAjAAAAAAAAAAAAAAARHLEDP///wgAAAAAAAAAAAAAAAAAAAAAAAAAAAAAAAAAAAAAZAAAAAEAAABAAAAAAAAAAAAAAAAAAAAAAAAAAAAAAAAAAAAAAAAAAAAAAAAAAAAAAAAAAAAAAAAAAAAAAAAAAAAAAAAAAAAAAAAAAAAAAAAAAAAAAAAAAAAAAAAAAAAAFAAAADwAAAAAAAAAAAAAAAAAAAkUAAAAAQAAABQAAAAUAAAAFAAAAAEAAAAAAAAAZAAAAGQAAAAAAAAAZAAAAGQAAAAVAAAAYAAAAAAAAAAAAAAADwAAACADAAAAAAAAAAAAAAEAAACgMgAAVgcAAKr4//8BAAAAf39/AAEAAABkAAAAAAAAABQAAABAHwAAAAAAACYAAAAAAAAAwOD//wAAAAAmAAAAZAAAABYAAABMAAAAAAAAAAAAAAAEAAAAAAAAAAEAAADn5uYKAAAAACgAAAAoAAAAZAAAAGQAAAAAAAAAzMzMAAAAAABQAAAAUAAAAGQAAABkAAAAAAAAABcAAAAUAAAAAAAAAAAAAAD/fwAA/38AAAAAAAAJAAAABAAAAF9yZWweAAAAaAAAAAAAAAAAAAAAAAAAAAAAAAAAAAAAECcAABAnAAAAAAAAAAAAAAAAAAAAAAAAAAAAAAAAAAAAAAAAAAAAABQAAAAAAAAAwMD/AAAAAABkAAAAMgAAAAAAAABkAAAAAAAAAH9/fwAKAAAAIgAAABgAAAAAAAAAAAAAAAAAAAAAAAAAAAAAAAAAAAAkAAAAJAAAAAAAAAAHAAAAAAAAAAAAAAAAAAAAAAAAAAAAAAAAAAAAf39/ACUAAABYAAAAAAAAAAAAAAAAAAAAAAAAAAAAAAAAAAAAAAAAAAAAAAAAAAAAAAAAAAAAAAA/AAAAAAAAAKCGAQAAAAAAAAAAAAAAAAAMAAAAAQAAAAAAAAAAAAAAAAAAAB8AAABUAAAAAAAABQAAAAEAAAAAAAAAAAAAAAAAAAAAAAAAAAAAAAAAAAAAAAAAAAAAAAJ/f38AAAAAA8zMzADAwP8Af39/AAAAAAAAAAAAAAAAAAAAAAAAAAAAIQAAABgAAAAUAAAAViYAAN8JAABGRwAAihUAABAAAAAmAAAACAAAAD0gAAAAAAAA"/>
+                <pr:smNativeData xmlns:mc="http://schemas.openxmlformats.org/markup-compatibility/2006" xmlns:p14="http://schemas.microsoft.com/office/powerpoint/2010/main" xmlns:p15="http://schemas.microsoft.com/office/powerpoint/2012/main" xmlns:pr="smNativeData" xmlns="smNativeData" val="SMDATA_15_q5OGZBMAAAAlAAAAZAAAAA0AAAAAAAAAAAAAAAAAAAAAAAAAAAAAAAAAAAAAAAAAAAEAAABQAAAAAAAAAAAA4D8AAAAAAADgPwAAAAAAAOA/AAAAAAAA4D8AAAAAAADgPwAAAAAAAOA/AAAAAAAA4D8AAAAAAADgPwAAAAAAAOA/AAAAAAAA4D8CAAAAjAAAAAAAAAAAAAAARHLEDP///wgAAAAAAAAAAAAAAAAAAAAAAAAAAAAAAAAAAAAAZAAAAAEAAABAAAAAAAAAAAAAAAAAAAAAAAAAAAAAAAAAAAAAAAAAAAAAAAAAAAAAAAAAAAAAAAAAAAAAAAAAAAAAAAAAAAAAAAAAAAAAAAAAAAAAAAAAAAAAAAAAAAAAFAAAADwAAAAAAAAAAAAAAAAAAAkUAAAAAQAAABQAAAAUAAAAFAAAAAEAAAAAAAAAZAAAAGQAAAAAAAAAZAAAAGQAAAAVAAAAYAAAAAAAAAAAAAAADwAAACADAAAAAAAAAAAAAAEAAACgMgAAVgcAAKr4//8BAAAAf39/AAEAAABkAAAAAAAAABQAAABAHwAAAAAAACYAAAAAAAAAwOD//wAAAAAmAAAAZAAAABYAAABMAAAAAAAAAAAAAAAEAAAAAAAAAAEAAADn5uYKAAAAACgAAAAoAAAAZAAAAGQAAAAAAAAAzMzMAAAAAABQAAAAUAAAAGQAAABkAAAAAAAAABcAAAAUAAAAAAAAAAAAAAD/fwAA/38AAAAAAAAJAAAABAAAAF9yZWweAAAAaAAAAAAAAAAAAAAAAAAAAAAAAAAAAAAAECcAABAnAAAAAAAAAAAAAAAAAAAAAAAAAAAAAAAAAAAAAAAAAAAAABQAAAAAAAAAwMD/AAAAAABkAAAAMgAAAAAAAABkAAAAAAAAAH9/fwAKAAAAIgAAABgAAAAAAAAAAAAAAAAAAAAAAAAAAAAAAAAAAAAkAAAAJAAAAAAAAAAHAAAAAAAAAAAAAAAAAAAAAAAAAAAAAAAAAAAAf39/ACUAAABYAAAAAAAAAAAAAAAAAAAAAAAAAAAAAAAAAAAAAAAAAAAAAAAAAAAAAAAAAAAAAAA/AAAAAAAAAKCGAQAAAAAAAAAAAAAAAAAMAAAAAQAAAAAAAAAAAAAAAAAAAB8AAABUAAAAAAAABQAAAAEAAAAAAAAAAAAAAAAAAAAAAAAAAAAAAAAAAAAAAAAAAAAAAAJ/f38AAAAAA8zMzADAwP8Af39/AAAAAAAAAAAAAAAAAAAAAAAAAAAAIQAAABgAAAAUAAAAViYAAN8JAABGRwAAihUAABAAAAAmAAAACAAAAD0gAAAAAAAA"/>
               </a:ext>
             </a:extLst>
           </p:cNvSpPr>
@@ -1746,7 +1749,7 @@
             <a:spLocks noGrp="1" noChangeArrowheads="1"/>
             <a:extLst>
               <a:ext uri="smNativeData">
-                <pr:smNativeData xmlns="smNativeData" xmlns:pr="smNativeData" xmlns:p15="http://schemas.microsoft.com/office/powerpoint/2012/main" xmlns:p14="http://schemas.microsoft.com/office/powerpoint/2010/main" xmlns:mc="http://schemas.openxmlformats.org/markup-compatibility/2006" val="SMDATA_15_q5OGZBMAAAAlAAAAZAAAAA0AAAAAAAAAAAAAAAAAAAAAAAAAAAAAAAAAAAAAAAAAAAEAAABQAAAAAAAAAAAA4D8AAAAAAADgPwAAAAAAAOA/AAAAAAAA4D8AAAAAAADgPwAAAAAAAOA/AAAAAAAA4D8AAAAAAADgPwAAAAAAAOA/AAAAAAAA4D8CAAAAjAAAAAAAAAAAAAAARHLEDP///wgAAAAAAAAAAAAAAAAAAAAAAAAAAAAAAAAAAAAAZAAAAAEAAABAAAAAAAAAAAAAAAAAAAAAAAAAAAAAAAAAAAAAAAAAAAAAAAAAAAAAAAAAAAAAAAAAAAAAAAAAAAAAAAAAAAAAAAAAAAAAAAAAAAAAAAAAAAAAAAAAAAAAFAAAADwAAAAAAAAAAAAAAAAAAAkUAAAAAQAAABQAAAAUAAAAFAAAAAEAAAAAAAAAZAAAAGQAAAAAAAAAZAAAAGQAAAAVAAAAYAAAAAAAAAAAAAAADwAAACADAAAAAAAAAAAAAAEAAACgMgAAVgcAAKr4//8BAAAAf39/AAEAAABkAAAAAAAAABQAAABAHwAAAAAAACYAAAAAAAAAwOD//wAAAAAmAAAAZAAAABYAAABMAAAAAAAAAAAAAAAEAAAAAAAAAAEAAADn5uYKAAAAACgAAAAoAAAAZAAAAGQAAAAAAAAAzMzMAAAAAABQAAAAUAAAAGQAAABkAAAAAAAAABcAAAAUAAAAAAAAAAAAAAD/fwAA/38AAAAAAAAJAAAABAAAAAAAAAAeAAAAaAAAAAAAAAAAAAAAAAAAAAAAAAAAAAAAECcAABAnAAAAAAAAAAAAAAAAAAAAAAAAAAAAAAAAAAAAAAAAAAAAABQAAAAAAAAAwMD/AAAAAABkAAAAMgAAAAAAAABkAAAAAAAAAH9/fwAKAAAAIgAAABgAAAAAAAAAAAAAAAAAAAAAAAAAAAAAAAAAAAAkAAAAJAAAAAAAAAAHAAAAAAAAAAAAAAAAAAAAAAAAAAAAAAAAAAAAf39/ACUAAABYAAAAAAAAAAAAAAAAAAAAAAAAAAAAAAAAAAAAAAAAAAAAAAAAAAAAAAAAAAAAAAA/AAAAAAAAAKCGAQAAAAAAAAAAAAAAAAAMAAAAAQAAAAAAAAAAAAAAAAAAAB8AAABUAAAAAAAABQAAAAEAAAAAAAAAAAAAAAAAAAAAAAAAAAAAAAAAAAAAAAAAAAAAAAJ/f38AAAAAA8zMzADAwP8Af39/AAAAAAAAAAAAAAAAAAAAAAAAAAAAIQAAABgAAAAUAAAAViYAAKcWAABGRwAAUiIAABAAAAAmAAAACAAAAD0gAAAAAAAA"/>
+                <pr:smNativeData xmlns:mc="http://schemas.openxmlformats.org/markup-compatibility/2006" xmlns:p14="http://schemas.microsoft.com/office/powerpoint/2010/main" xmlns:p15="http://schemas.microsoft.com/office/powerpoint/2012/main" xmlns:pr="smNativeData" xmlns="smNativeData" val="SMDATA_15_q5OGZBMAAAAlAAAAZAAAAA0AAAAAAAAAAAAAAAAAAAAAAAAAAAAAAAAAAAAAAAAAAAEAAABQAAAAAAAAAAAA4D8AAAAAAADgPwAAAAAAAOA/AAAAAAAA4D8AAAAAAADgPwAAAAAAAOA/AAAAAAAA4D8AAAAAAADgPwAAAAAAAOA/AAAAAAAA4D8CAAAAjAAAAAAAAAAAAAAARHLEDP///wgAAAAAAAAAAAAAAAAAAAAAAAAAAAAAAAAAAAAAZAAAAAEAAABAAAAAAAAAAAAAAAAAAAAAAAAAAAAAAAAAAAAAAAAAAAAAAAAAAAAAAAAAAAAAAAAAAAAAAAAAAAAAAAAAAAAAAAAAAAAAAAAAAAAAAAAAAAAAAAAAAAAAFAAAADwAAAAAAAAAAAAAAAAAAAkUAAAAAQAAABQAAAAUAAAAFAAAAAEAAAAAAAAAZAAAAGQAAAAAAAAAZAAAAGQAAAAVAAAAYAAAAAAAAAAAAAAADwAAACADAAAAAAAAAAAAAAEAAACgMgAAVgcAAKr4//8BAAAAf39/AAEAAABkAAAAAAAAABQAAABAHwAAAAAAACYAAAAAAAAAwOD//wAAAAAmAAAAZAAAABYAAABMAAAAAAAAAAAAAAAEAAAAAAAAAAEAAADn5uYKAAAAACgAAAAoAAAAZAAAAGQAAAAAAAAAzMzMAAAAAABQAAAAUAAAAGQAAABkAAAAAAAAABcAAAAUAAAAAAAAAAAAAAD/fwAA/38AAAAAAAAJAAAABAAAAAAAAAAeAAAAaAAAAAAAAAAAAAAAAAAAAAAAAAAAAAAAECcAABAnAAAAAAAAAAAAAAAAAAAAAAAAAAAAAAAAAAAAAAAAAAAAABQAAAAAAAAAwMD/AAAAAABkAAAAMgAAAAAAAABkAAAAAAAAAH9/fwAKAAAAIgAAABgAAAAAAAAAAAAAAAAAAAAAAAAAAAAAAAAAAAAkAAAAJAAAAAAAAAAHAAAAAAAAAAAAAAAAAAAAAAAAAAAAAAAAAAAAf39/ACUAAABYAAAAAAAAAAAAAAAAAAAAAAAAAAAAAAAAAAAAAAAAAAAAAAAAAAAAAAAAAAAAAAA/AAAAAAAAAKCGAQAAAAAAAAAAAAAAAAAMAAAAAQAAAAAAAAAAAAAAAAAAAB8AAABUAAAAAAAABQAAAAEAAAAAAAAAAAAAAAAAAAAAAAAAAAAAAAAAAAAAAAAAAAAAAAJ/f38AAAAAA8zMzADAwP8Af39/AAAAAAAAAAAAAAAAAAAAAAAAAAAAIQAAABgAAAAUAAAAViYAAKcWAABGRwAAUiIAABAAAAAmAAAACAAAAD0gAAAAAAAA"/>
               </a:ext>
             </a:extLst>
           </p:cNvSpPr>
@@ -1807,7 +1810,7 @@
             <a:spLocks noGrp="1" noChangeArrowheads="1"/>
             <a:extLst>
               <a:ext uri="smNativeData">
-                <pr:smNativeData xmlns="smNativeData" xmlns:pr="smNativeData" xmlns:p15="http://schemas.microsoft.com/office/powerpoint/2012/main" xmlns:p14="http://schemas.microsoft.com/office/powerpoint/2010/main" xmlns:mc="http://schemas.openxmlformats.org/markup-compatibility/2006" val="SMDATA_15_q5OGZBMAAAAlAAAAZAAAAA0AAAAAAAAAAAAAAAAAAAAAAAAAAAAAAAABAAAAAAAAAAEAAABQAAAAAAAAAAAA4D8AAAAAAADgPwAAAAAAAOA/AAAAAAAA4D8AAAAAAADgPwAAAAAAAOA/AAAAAAAA4D8AAAAAAADgPwAAAAAAAOA/AAAAAAAA4D8CAAAAjAAAAAAAAAAAAAAARHLEDP///wgAAAAAAAAAAAAAAAAAAAAAAAAAAAAAAAAAAAAAZAAAAAEAAABAAAAAAAAAAAAAAAAAAAAAAAAAAAAAAAAAAAAAAAAAAAAAAAAAAAAAAAAAAAAAAAAAAAAAAAAAAAAAAAAAAAAAAAAAAAAAAAAAAAAAAAAAAAAAAAAAAAAAFAAAADwAAAAAAAAAAAAAAAAAAAkUAAAAAQAAABQAAAAUAAAAFAAAAAEAAAAAAAAAZAAAAGQAAAAAAAAAZAAAAGQAAAAVAAAAYAAAAAAAAAAAAAAADwAAACADAAAAAAAAAAAAAAEAAACgMgAAVgcAAKr4//8BAAAAf39/AAEAAABkAAAAAAAAABQAAABAHwAAAAAAACYAAAAAAAAAwOD//wAAAAAmAAAAZAAAABYAAABMAAAAAAAAAAAAAAAEAAAAAAAAAAEAAADn5uYKAAAAACgAAAAoAAAAZAAAAGQAAAAAAAAAzMzMAAAAAABQAAAAUAAAAGQAAABkAAAAAAAAABcAAAAUAAAAAAAAAAAAAAD/fwAA/38AAAAAAAAJAAAABAAAAJgGAAAeAAAAaAAAAAAAAAAAAAAAAAAAAAAAAAAAAAAAECcAABAnAAAAAAAAAAAAAAAAAAAAAAAAAAAAAAAAAAAAAAAAAAAAABQAAAAAAAAAwMD/AAAAAABkAAAAMgAAAAAAAABkAAAAAAAAAH9/fwAKAAAAIgAAABgAAAAAAAAAAAAAAAAAAAAAAAAAAAAAAAAAAAAkAAAAJAAAAAAAAAAHAAAAAAAAAAAAAAAAAAAAAAAAAAAAAAAAAAAAf39/ACUAAABYAAAAAAAAAAAAAAAAAAAAAAAAAAAAAAAAAAAAAAAAAAAAAAAAAAAAAAAAAAAAAAA/AAAAAAAAAKCGAQAAAAAAAAAAAAAAAAAMAAAAAQAAAAAAAAAAAAAAAAAAAB8AAABUAAAAAAAABQAAAAEAAAAAAAAAAAAAAAAAAAAAAAAAAAAAAAAAAAAAAAAAAAAAAAJ/f38AAAAAA8zMzADAwP8Af39/AAAAAAAAAAAAAAAAAAAAAAAAAAAAIQAAABgAAAAUAAAAwAMAAK8BAAA/RwAAuggAABAAAAAmAAAACAAAAD0gAAAAAAAA"/>
+                <pr:smNativeData xmlns:mc="http://schemas.openxmlformats.org/markup-compatibility/2006" xmlns:p14="http://schemas.microsoft.com/office/powerpoint/2010/main" xmlns:p15="http://schemas.microsoft.com/office/powerpoint/2012/main" xmlns:pr="smNativeData" xmlns="smNativeData" val="SMDATA_15_q5OGZBMAAAAlAAAAZAAAAA0AAAAAAAAAAAAAAAAAAAAAAAAAAAAAAAABAAAAAAAAAAEAAABQAAAAAAAAAAAA4D8AAAAAAADgPwAAAAAAAOA/AAAAAAAA4D8AAAAAAADgPwAAAAAAAOA/AAAAAAAA4D8AAAAAAADgPwAAAAAAAOA/AAAAAAAA4D8CAAAAjAAAAAAAAAAAAAAARHLEDP///wgAAAAAAAAAAAAAAAAAAAAAAAAAAAAAAAAAAAAAZAAAAAEAAABAAAAAAAAAAAAAAAAAAAAAAAAAAAAAAAAAAAAAAAAAAAAAAAAAAAAAAAAAAAAAAAAAAAAAAAAAAAAAAAAAAAAAAAAAAAAAAAAAAAAAAAAAAAAAAAAAAAAAFAAAADwAAAAAAAAAAAAAAAAAAAkUAAAAAQAAABQAAAAUAAAAFAAAAAEAAAAAAAAAZAAAAGQAAAAAAAAAZAAAAGQAAAAVAAAAYAAAAAAAAAAAAAAADwAAACADAAAAAAAAAAAAAAEAAACgMgAAVgcAAKr4//8BAAAAf39/AAEAAABkAAAAAAAAABQAAABAHwAAAAAAACYAAAAAAAAAwOD//wAAAAAmAAAAZAAAABYAAABMAAAAAAAAAAAAAAAEAAAAAAAAAAEAAADn5uYKAAAAACgAAAAoAAAAZAAAAGQAAAAAAAAAzMzMAAAAAABQAAAAUAAAAGQAAABkAAAAAAAAABcAAAAUAAAAAAAAAAAAAAD/fwAA/38AAAAAAAAJAAAABAAAAJgGAAAeAAAAaAAAAAAAAAAAAAAAAAAAAAAAAAAAAAAAECcAABAnAAAAAAAAAAAAAAAAAAAAAAAAAAAAAAAAAAAAAAAAAAAAABQAAAAAAAAAwMD/AAAAAABkAAAAMgAAAAAAAABkAAAAAAAAAH9/fwAKAAAAIgAAABgAAAAAAAAAAAAAAAAAAAAAAAAAAAAAAAAAAAAkAAAAJAAAAAAAAAAHAAAAAAAAAAAAAAAAAAAAAAAAAAAAAAAAAAAAf39/ACUAAABYAAAAAAAAAAAAAAAAAAAAAAAAAAAAAAAAAAAAAAAAAAAAAAAAAAAAAAAAAAAAAAA/AAAAAAAAAKCGAQAAAAAAAAAAAAAAAAAMAAAAAQAAAAAAAAAAAAAAAAAAAB8AAABUAAAAAAAABQAAAAEAAAAAAAAAAAAAAAAAAAAAAAAAAAAAAAAAAAAAAAAAAAAAAAJ/f38AAAAAA8zMzADAwP8Af39/AAAAAAAAAAAAAAAAAAAAAAAAAAAAIQAAABgAAAAUAAAAwAMAAK8BAAA/RwAAuggAABAAAAAmAAAACAAAAD0gAAAAAAAA"/>
               </a:ext>
             </a:extLst>
           </p:cNvSpPr>
@@ -1843,7 +1846,7 @@
             <a:spLocks noGrp="1" noChangeArrowheads="1"/>
             <a:extLst>
               <a:ext uri="smNativeData">
-                <pr:smNativeData xmlns="smNativeData" xmlns:pr="smNativeData" xmlns:p15="http://schemas.microsoft.com/office/powerpoint/2012/main" xmlns:p14="http://schemas.microsoft.com/office/powerpoint/2010/main" xmlns:mc="http://schemas.openxmlformats.org/markup-compatibility/2006" val="SMDATA_15_q5OGZBMAAAAlAAAAZAAAAA0AAAAAAAAAAAAAAAAAAAAAAAAAAAAAAAAAAAAAAAAAAAEAAABQAAAAAAAAAAAA4D8AAAAAAADgPwAAAAAAAOA/AAAAAAAA4D8AAAAAAADgPwAAAAAAAOA/AAAAAAAA4D8AAAAAAADgPwAAAAAAAOA/AAAAAAAA4D8CAAAAjAAAAAAAAAAAAAAARHLEDP///wgAAAAAAAAAAAAAAAAAAAAAAAAAAAAAAAAAAAAAZAAAAAEAAABAAAAAAAAAAAAAAAAAAAAAAAAAAAAAAAAAAAAAAAAAAAAAAAAAAAAAAAAAAAAAAAAAAAAAAAAAAAAAAAAAAAAAAAAAAAAAAAAAAAAAAAAAAAAAAAAAAAAAFAAAADwAAAAAAAAAAAAAAAAAAAkUAAAAAQAAABQAAAAUAAAAFAAAAAEAAAAAAAAAZAAAAGQAAAAAAAAAZAAAAGQAAAAVAAAAYAAAAAAAAAAAAAAADwAAACADAAAAAAAAAAAAAAEAAACgMgAAVgcAAKr4//8BAAAAf39/AAEAAABkAAAAAAAAABQAAABAHwAAAAAAACYAAAAAAAAAwOD//wAAAAAmAAAAZAAAABYAAABMAAAAAAAAAAAAAAAEAAAAAAAAAAEAAADn5uYKAAAAACgAAAAoAAAAZAAAAGQAAAAAAAAAzMzMAAAAAABQAAAAUAAAAGQAAABkAAAAAAAAABcAAAAUAAAAAAAAAAAAAAD/fwAA/38AAAAAAAAJAAAABAAAAAAAAAAeAAAAaAAAAAAAAAAAAAAAAAAAAAAAAAAAAAAAECcAABAnAAAAAAAAAAAAAAAAAAAAAAAAAAAAAAAAAAAAAAAAAAAAABQAAAAAAAAAwMD/AAAAAABkAAAAMgAAAAAAAABkAAAAAAAAAH9/fwAKAAAAIgAAABgAAAAAAAAAAAAAAAAAAAAAAAAAAAAAAAAAAAAkAAAAJAAAAAAAAAAHAAAAAAAAAAAAAAAAAAAAAAAAAAAAAAAAAAAAf39/ACUAAABYAAAAAAAAAAAAAAAAAAAAAAAAAAAAAAAAAAAAAAAAAAAAAAAAAAAAAAAAAAAAAAA/AAAAAAAAAKCGAQAAAAAAAAAAAAAAAAAMAAAAAQAAAAAAAAAAAAAAAAAAAB8AAABUAAAAAAAABQAAAAEAAAAAAAAAAAAAAAAAAAAAAAAAAAAAAAAAAAAAAAAAAAAAAAJ/f38AAAAAA8zMzADAwP8Af39/AAAAAAAAAAAAAAAAAAAAAAAAAAAAIQAAABgAAAAUAAAAwAMAAN8JAACwJAAAihUAABAAAAAmAAAACAAAAD0gAAAAAAAA"/>
+                <pr:smNativeData xmlns:mc="http://schemas.openxmlformats.org/markup-compatibility/2006" xmlns:p14="http://schemas.microsoft.com/office/powerpoint/2010/main" xmlns:p15="http://schemas.microsoft.com/office/powerpoint/2012/main" xmlns:pr="smNativeData" xmlns="smNativeData" val="SMDATA_15_q5OGZBMAAAAlAAAAZAAAAA0AAAAAAAAAAAAAAAAAAAAAAAAAAAAAAAAAAAAAAAAAAAEAAABQAAAAAAAAAAAA4D8AAAAAAADgPwAAAAAAAOA/AAAAAAAA4D8AAAAAAADgPwAAAAAAAOA/AAAAAAAA4D8AAAAAAADgPwAAAAAAAOA/AAAAAAAA4D8CAAAAjAAAAAAAAAAAAAAARHLEDP///wgAAAAAAAAAAAAAAAAAAAAAAAAAAAAAAAAAAAAAZAAAAAEAAABAAAAAAAAAAAAAAAAAAAAAAAAAAAAAAAAAAAAAAAAAAAAAAAAAAAAAAAAAAAAAAAAAAAAAAAAAAAAAAAAAAAAAAAAAAAAAAAAAAAAAAAAAAAAAAAAAAAAAFAAAADwAAAAAAAAAAAAAAAAAAAkUAAAAAQAAABQAAAAUAAAAFAAAAAEAAAAAAAAAZAAAAGQAAAAAAAAAZAAAAGQAAAAVAAAAYAAAAAAAAAAAAAAADwAAACADAAAAAAAAAAAAAAEAAACgMgAAVgcAAKr4//8BAAAAf39/AAEAAABkAAAAAAAAABQAAABAHwAAAAAAACYAAAAAAAAAwOD//wAAAAAmAAAAZAAAABYAAABMAAAAAAAAAAAAAAAEAAAAAAAAAAEAAADn5uYKAAAAACgAAAAoAAAAZAAAAGQAAAAAAAAAzMzMAAAAAABQAAAAUAAAAGQAAABkAAAAAAAAABcAAAAUAAAAAAAAAAAAAAD/fwAA/38AAAAAAAAJAAAABAAAAAAAAAAeAAAAaAAAAAAAAAAAAAAAAAAAAAAAAAAAAAAAECcAABAnAAAAAAAAAAAAAAAAAAAAAAAAAAAAAAAAAAAAAAAAAAAAABQAAAAAAAAAwMD/AAAAAABkAAAAMgAAAAAAAABkAAAAAAAAAH9/fwAKAAAAIgAAABgAAAAAAAAAAAAAAAAAAAAAAAAAAAAAAAAAAAAkAAAAJAAAAAAAAAAHAAAAAAAAAAAAAAAAAAAAAAAAAAAAAAAAAAAAf39/ACUAAABYAAAAAAAAAAAAAAAAAAAAAAAAAAAAAAAAAAAAAAAAAAAAAAAAAAAAAAAAAAAAAAA/AAAAAAAAAKCGAQAAAAAAAAAAAAAAAAAMAAAAAQAAAAAAAAAAAAAAAAAAAB8AAABUAAAAAAAABQAAAAEAAAAAAAAAAAAAAAAAAAAAAAAAAAAAAAAAAAAAAAAAAAAAAAJ/f38AAAAAA8zMzADAwP8Af39/AAAAAAAAAAAAAAAAAAAAAAAAAAAAIQAAABgAAAAUAAAAwAMAAN8JAACwJAAAihUAABAAAAAmAAAACAAAAD0gAAAAAAAA"/>
               </a:ext>
             </a:extLst>
           </p:cNvSpPr>
@@ -1879,7 +1882,7 @@
             <a:spLocks noGrp="1" noChangeArrowheads="1"/>
             <a:extLst>
               <a:ext uri="smNativeData">
-                <pr:smNativeData xmlns="smNativeData" xmlns:pr="smNativeData" xmlns:p15="http://schemas.microsoft.com/office/powerpoint/2012/main" xmlns:p14="http://schemas.microsoft.com/office/powerpoint/2010/main" xmlns:mc="http://schemas.openxmlformats.org/markup-compatibility/2006" val="SMDATA_15_q5OGZBMAAAAlAAAAZAAAAA0AAAAAAAAAAAAAAAAAAAAAAAAAAAAAAAAAAAAAAAAAAAEAAABQAAAAAAAAAAAA4D8AAAAAAADgPwAAAAAAAOA/AAAAAAAA4D8AAAAAAADgPwAAAAAAAOA/AAAAAAAA4D8AAAAAAADgPwAAAAAAAOA/AAAAAAAA4D8CAAAAjAAAAAAAAAAAAAAARHLEDP///wgAAAAAAAAAAAAAAAAAAAAAAAAAAAAAAAAAAAAAZAAAAAEAAABAAAAAAAAAAAAAAAAAAAAAAAAAAAAAAAAAAAAAAAAAAAAAAAAAAAAAAAAAAAAAAAAAAAAAAAAAAAAAAAAAAAAAAAAAAAAAAAAAAAAAAAAAAAAAAAAAAAAAFAAAADwAAAAAAAAAAAAAAAAAAAkUAAAAAQAAABQAAAAUAAAAFAAAAAEAAAAAAAAAZAAAAGQAAAAAAAAAZAAAAGQAAAAVAAAAYAAAAAAAAAAAAAAADwAAACADAAAAAAAAAAAAAAEAAACgMgAAVgcAAKr4//8BAAAAf39/AAEAAABkAAAAAAAAABQAAABAHwAAAAAAACYAAAAAAAAAwOD//wAAAAAmAAAAZAAAABYAAABMAAAAAAAAAAAAAAAEAAAAAAAAAAEAAADn5uYKAAAAACgAAAAoAAAAZAAAAGQAAAAAAAAAzMzMAAAAAABQAAAAUAAAAGQAAABkAAAAAAAAABcAAAAUAAAAAAAAAAAAAAD/fwAA/38AAAAAAAAJAAAABAAAAAAAAAAeAAAAaAAAAAAAAAAAAAAAAAAAAAAAAAAAAAAAECcAABAnAAAAAAAAAAAAAAAAAAAAAAAAAAAAAAAAAAAAAAAAAAAAABQAAAAAAAAAwMD/AAAAAABkAAAAMgAAAAAAAABkAAAAAAAAAH9/fwAKAAAAIgAAABgAAAAAAAAAAAAAAAAAAAAAAAAAAAAAAAAAAAAkAAAAJAAAAAAAAAAHAAAAAAAAAAAAAAAAAAAAAAAAAAAAAAAAAAAAf39/ACUAAABYAAAAAAAAAAAAAAAAAAAAAAAAAAAAAAAAAAAAAAAAAAAAAAAAAAAAAAAAAAAAAAA/AAAAAAAAAKCGAQAAAAAAAAAAAAAAAAAMAAAAAQAAAAAAAAAAAAAAAAAAAB8AAABUAAAAAAAABQAAAAEAAAAAAAAAAAAAAAAAAAAAAAAAAAAAAAAAAAAAAAAAAAAAAAJ/f38AAAAAA8zMzADAwP8Af39/AAAAAAAAAAAAAAAAAAAAAAAAAAAAIQAAABgAAAAUAAAAViYAAN8JAABGRwAAihUAABAAAAAmAAAACAAAAD0gAAAAAAAA"/>
+                <pr:smNativeData xmlns:mc="http://schemas.openxmlformats.org/markup-compatibility/2006" xmlns:p14="http://schemas.microsoft.com/office/powerpoint/2010/main" xmlns:p15="http://schemas.microsoft.com/office/powerpoint/2012/main" xmlns:pr="smNativeData" xmlns="smNativeData" val="SMDATA_15_q5OGZBMAAAAlAAAAZAAAAA0AAAAAAAAAAAAAAAAAAAAAAAAAAAAAAAAAAAAAAAAAAAEAAABQAAAAAAAAAAAA4D8AAAAAAADgPwAAAAAAAOA/AAAAAAAA4D8AAAAAAADgPwAAAAAAAOA/AAAAAAAA4D8AAAAAAADgPwAAAAAAAOA/AAAAAAAA4D8CAAAAjAAAAAAAAAAAAAAARHLEDP///wgAAAAAAAAAAAAAAAAAAAAAAAAAAAAAAAAAAAAAZAAAAAEAAABAAAAAAAAAAAAAAAAAAAAAAAAAAAAAAAAAAAAAAAAAAAAAAAAAAAAAAAAAAAAAAAAAAAAAAAAAAAAAAAAAAAAAAAAAAAAAAAAAAAAAAAAAAAAAAAAAAAAAFAAAADwAAAAAAAAAAAAAAAAAAAkUAAAAAQAAABQAAAAUAAAAFAAAAAEAAAAAAAAAZAAAAGQAAAAAAAAAZAAAAGQAAAAVAAAAYAAAAAAAAAAAAAAADwAAACADAAAAAAAAAAAAAAEAAACgMgAAVgcAAKr4//8BAAAAf39/AAEAAABkAAAAAAAAABQAAABAHwAAAAAAACYAAAAAAAAAwOD//wAAAAAmAAAAZAAAABYAAABMAAAAAAAAAAAAAAAEAAAAAAAAAAEAAADn5uYKAAAAACgAAAAoAAAAZAAAAGQAAAAAAAAAzMzMAAAAAABQAAAAUAAAAGQAAABkAAAAAAAAABcAAAAUAAAAAAAAAAAAAAD/fwAA/38AAAAAAAAJAAAABAAAAAAAAAAeAAAAaAAAAAAAAAAAAAAAAAAAAAAAAAAAAAAAECcAABAnAAAAAAAAAAAAAAAAAAAAAAAAAAAAAAAAAAAAAAAAAAAAABQAAAAAAAAAwMD/AAAAAABkAAAAMgAAAAAAAABkAAAAAAAAAH9/fwAKAAAAIgAAABgAAAAAAAAAAAAAAAAAAAAAAAAAAAAAAAAAAAAkAAAAJAAAAAAAAAAHAAAAAAAAAAAAAAAAAAAAAAAAAAAAAAAAAAAAf39/ACUAAABYAAAAAAAAAAAAAAAAAAAAAAAAAAAAAAAAAAAAAAAAAAAAAAAAAAAAAAAAAAAAAAA/AAAAAAAAAKCGAQAAAAAAAAAAAAAAAAAMAAAAAQAAAAAAAAAAAAAAAAAAAB8AAABUAAAAAAAABQAAAAEAAAAAAAAAAAAAAAAAAAAAAAAAAAAAAAAAAAAAAAAAAAAAAAJ/f38AAAAAA8zMzADAwP8Af39/AAAAAAAAAAAAAAAAAAAAAAAAAAAAIQAAABgAAAAUAAAAViYAAN8JAABGRwAAihUAABAAAAAmAAAACAAAAD0gAAAAAAAA"/>
               </a:ext>
             </a:extLst>
           </p:cNvSpPr>
@@ -1915,7 +1918,7 @@
             <a:spLocks noGrp="1" noChangeArrowheads="1"/>
             <a:extLst>
               <a:ext uri="smNativeData">
-                <pr:smNativeData xmlns="smNativeData" xmlns:pr="smNativeData" xmlns:p15="http://schemas.microsoft.com/office/powerpoint/2012/main" xmlns:p14="http://schemas.microsoft.com/office/powerpoint/2010/main" xmlns:mc="http://schemas.openxmlformats.org/markup-compatibility/2006" val="SMDATA_15_q5OGZBMAAAAlAAAAZAAAAA0AAAAAAAAAAAAAAAAAAAAAAAAAAAAAAAAAAAAAAAAAAAEAAABQAAAAAAAAAAAA4D8AAAAAAADgPwAAAAAAAOA/AAAAAAAA4D8AAAAAAADgPwAAAAAAAOA/AAAAAAAA4D8AAAAAAADgPwAAAAAAAOA/AAAAAAAA4D8CAAAAjAAAAAAAAAAAAAAARHLEDP///wgAAAAAAAAAAAAAAAAAAAAAAAAAAAAAAAAAAAAAZAAAAAEAAABAAAAAAAAAAAAAAAAAAAAAAAAAAAAAAAAAAAAAAAAAAAAAAAAAAAAAAAAAAAAAAAAAAAAAAAAAAAAAAAAAAAAAAAAAAAAAAAAAAAAAAAAAAAAAAAAAAAAAFAAAADwAAAAAAAAAAAAAAAAAAAkUAAAAAQAAABQAAAAUAAAAFAAAAAEAAAAAAAAAZAAAAGQAAAAAAAAAZAAAAGQAAAAVAAAAYAAAAAAAAAAAAAAADwAAACADAAAAAAAAAAAAAAEAAACgMgAAVgcAAKr4//8BAAAAf39/AAEAAABkAAAAAAAAABQAAABAHwAAAAAAACYAAAAAAAAAwOD//wAAAAAmAAAAZAAAABYAAABMAAAAAAAAAAAAAAAEAAAAAAAAAAEAAADn5uYKAAAAACgAAAAoAAAAZAAAAGQAAAAAAAAAzMzMAAAAAABQAAAAUAAAAGQAAABkAAAAAAAAABcAAAAUAAAAAAAAAAAAAAD/fwAA/38AAAAAAAAJAAAABAAAAJQC9HUeAAAAaAAAAAAAAAAAAAAAAAAAAAAAAAAAAAAAECcAABAnAAAAAAAAAAAAAAAAAAAAAAAAAAAAAAAAAAAAAAAAAAAAABQAAAAAAAAAwMD/AAAAAABkAAAAMgAAAAAAAABkAAAAAAAAAH9/fwAKAAAAIgAAABgAAAAAAAAAAAAAAAAAAAAAAAAAAAAAAAAAAAAkAAAAJAAAAAAAAAAHAAAAAAAAAAAAAAAAAAAAAAAAAAAAAAAAAAAAf39/ACUAAABYAAAAAAAAAAAAAAAAAAAAAAAAAAAAAAAAAAAAAAAAAAAAAAAAAAAAAAAAAAAAAAA/AAAAAAAAAKCGAQAAAAAAAAAAAAAAAAAMAAAAAQAAAAAAAAAAAAAAAAAAAB8AAABUAAAAAAAABQAAAAEAAAAAAAAAAAAAAAAAAAAAAAAAAAAAAAAAAAAAAAAAAAAAAAJ/f38AAAAAA8zMzADAwP8Af39/AAAAAAAAAAAAAAAAAAAAAAAAAAAAIQAAABgAAAAUAAAAwAMAAKcWAAA/RwAAUiIAABAAAAAmAAAACAAAAD0gAAAAAAAA"/>
+                <pr:smNativeData xmlns:mc="http://schemas.openxmlformats.org/markup-compatibility/2006" xmlns:p14="http://schemas.microsoft.com/office/powerpoint/2010/main" xmlns:p15="http://schemas.microsoft.com/office/powerpoint/2012/main" xmlns:pr="smNativeData" xmlns="smNativeData" val="SMDATA_15_q5OGZBMAAAAlAAAAZAAAAA0AAAAAAAAAAAAAAAAAAAAAAAAAAAAAAAAAAAAAAAAAAAEAAABQAAAAAAAAAAAA4D8AAAAAAADgPwAAAAAAAOA/AAAAAAAA4D8AAAAAAADgPwAAAAAAAOA/AAAAAAAA4D8AAAAAAADgPwAAAAAAAOA/AAAAAAAA4D8CAAAAjAAAAAAAAAAAAAAARHLEDP///wgAAAAAAAAAAAAAAAAAAAAAAAAAAAAAAAAAAAAAZAAAAAEAAABAAAAAAAAAAAAAAAAAAAAAAAAAAAAAAAAAAAAAAAAAAAAAAAAAAAAAAAAAAAAAAAAAAAAAAAAAAAAAAAAAAAAAAAAAAAAAAAAAAAAAAAAAAAAAAAAAAAAAFAAAADwAAAAAAAAAAAAAAAAAAAkUAAAAAQAAABQAAAAUAAAAFAAAAAEAAAAAAAAAZAAAAGQAAAAAAAAAZAAAAGQAAAAVAAAAYAAAAAAAAAAAAAAADwAAACADAAAAAAAAAAAAAAEAAACgMgAAVgcAAKr4//8BAAAAf39/AAEAAABkAAAAAAAAABQAAABAHwAAAAAAACYAAAAAAAAAwOD//wAAAAAmAAAAZAAAABYAAABMAAAAAAAAAAAAAAAEAAAAAAAAAAEAAADn5uYKAAAAACgAAAAoAAAAZAAAAGQAAAAAAAAAzMzMAAAAAABQAAAAUAAAAGQAAABkAAAAAAAAABcAAAAUAAAAAAAAAAAAAAD/fwAA/38AAAAAAAAJAAAABAAAAJQC9HUeAAAAaAAAAAAAAAAAAAAAAAAAAAAAAAAAAAAAECcAABAnAAAAAAAAAAAAAAAAAAAAAAAAAAAAAAAAAAAAAAAAAAAAABQAAAAAAAAAwMD/AAAAAABkAAAAMgAAAAAAAABkAAAAAAAAAH9/fwAKAAAAIgAAABgAAAAAAAAAAAAAAAAAAAAAAAAAAAAAAAAAAAAkAAAAJAAAAAAAAAAHAAAAAAAAAAAAAAAAAAAAAAAAAAAAAAAAAAAAf39/ACUAAABYAAAAAAAAAAAAAAAAAAAAAAAAAAAAAAAAAAAAAAAAAAAAAAAAAAAAAAAAAAAAAAA/AAAAAAAAAKCGAQAAAAAAAAAAAAAAAAAMAAAAAQAAAAAAAAAAAAAAAAAAAB8AAABUAAAAAAAABQAAAAEAAAAAAAAAAAAAAAAAAAAAAAAAAAAAAAAAAAAAAAAAAAAAAAJ/f38AAAAAA8zMzADAwP8Af39/AAAAAAAAAAAAAAAAAAAAAAAAAAAAIQAAABgAAAAUAAAAwAMAAKcWAAA/RwAAUiIAABAAAAAmAAAACAAAAD0gAAAAAAAA"/>
               </a:ext>
             </a:extLst>
           </p:cNvSpPr>
@@ -1976,7 +1979,7 @@
             <a:spLocks noGrp="1" noChangeArrowheads="1"/>
             <a:extLst>
               <a:ext uri="smNativeData">
-                <pr:smNativeData xmlns="smNativeData" xmlns:pr="smNativeData" xmlns:p15="http://schemas.microsoft.com/office/powerpoint/2012/main" xmlns:p14="http://schemas.microsoft.com/office/powerpoint/2010/main" xmlns:mc="http://schemas.openxmlformats.org/markup-compatibility/2006" val="SMDATA_15_q5OGZBMAAAAlAAAAZAAAAA0AAAAAAAAAAAAAAAAAAAAAAAAAAAAAAAABAAAAAAAAAAEAAABQAAAAAAAAAAAA4D8AAAAAAADgPwAAAAAAAOA/AAAAAAAA4D8AAAAAAADgPwAAAAAAAOA/AAAAAAAA4D8AAAAAAADgPwAAAAAAAOA/AAAAAAAA4D8CAAAAjAAAAAAAAAAAAAAARHLEDP///wgAAAAAAAAAAAAAAAAAAAAAAAAAAAAAAAAAAAAAZAAAAAEAAABAAAAAAAAAAAAAAAAAAAAAAAAAAAAAAAAAAAAAAAAAAAAAAAAAAAAAAAAAAAAAAAAAAAAAAAAAAAAAAAAAAAAAAAAAAAAAAAAAAAAAAAAAAAAAAAAAAAAAFAAAADwAAAAAAAAAAAAAAAAAAAkUAAAAAQAAABQAAAAUAAAAFAAAAAEAAAAAAAAAZAAAAGQAAAAAAAAAZAAAAGQAAAAVAAAAYAAAAAAAAAAAAAAADwAAACADAAAAAAAAAAAAAAEAAACgMgAAVgcAAKr4//8BAAAAf39/AAEAAABkAAAAAAAAABQAAABAHwAAAAAAACYAAAAAAAAAwOD//wAAAAAmAAAAZAAAABYAAABMAAAAAAAAAAAAAAAEAAAAAAAAAAEAAADn5uYKAAAAACgAAAAoAAAAZAAAAGQAAAAAAAAAzMzMAAAAAABQAAAAUAAAAGQAAABkAAAAAAAAABcAAAAUAAAAAAAAAAAAAAD/fwAA/38AAAAAAAAJAAAABAAAAAAAAAAeAAAAaAAAAAAAAAAAAAAAAAAAAAAAAAAAAAAAECcAABAnAAAAAAAAAAAAAAAAAAAAAAAAAAAAAAAAAAAAAAAAAAAAABQAAAAAAAAAwMD/AAAAAABkAAAAMgAAAAAAAABkAAAAAAAAAH9/fwAKAAAAIgAAABgAAAAAAAAAAAAAAAAAAAAAAAAAAAAAAAAAAAAkAAAAJAAAAAAAAAAHAAAAAAAAAAAAAAAAAAAAAAAAAAAAAAAAAAAAf39/ACUAAABYAAAAAAAAAAAAAAAAAAAAAAAAAAAAAAAAAAAAAAAAAAAAAAAAAAAAAAAAAAAAAAA/AAAAAAAAAKCGAQAAAAAAAAAAAAAAAAAMAAAAAQAAAAAAAAAAAAAAAAAAAB8AAABUAAAAAAAABQAAAAEAAAAAAAAAAAAAAAAAAAAAAAAAAAAAAAAAAAAAAAAAAAAAAAJ/f38AAAAAA8zMzADAwP8Af39/AAAAAAAAAAAAAAAAAAAAAAAAAAAAIQAAABgAAAAUAAAAwAMAAK8BAAA/RwAAuggAABAAAAAmAAAACAAAAD0gAAAAAAAA"/>
+                <pr:smNativeData xmlns:mc="http://schemas.openxmlformats.org/markup-compatibility/2006" xmlns:p14="http://schemas.microsoft.com/office/powerpoint/2010/main" xmlns:p15="http://schemas.microsoft.com/office/powerpoint/2012/main" xmlns:pr="smNativeData" xmlns="smNativeData" val="SMDATA_15_q5OGZBMAAAAlAAAAZAAAAA0AAAAAAAAAAAAAAAAAAAAAAAAAAAAAAAABAAAAAAAAAAEAAABQAAAAAAAAAAAA4D8AAAAAAADgPwAAAAAAAOA/AAAAAAAA4D8AAAAAAADgPwAAAAAAAOA/AAAAAAAA4D8AAAAAAADgPwAAAAAAAOA/AAAAAAAA4D8CAAAAjAAAAAAAAAAAAAAARHLEDP///wgAAAAAAAAAAAAAAAAAAAAAAAAAAAAAAAAAAAAAZAAAAAEAAABAAAAAAAAAAAAAAAAAAAAAAAAAAAAAAAAAAAAAAAAAAAAAAAAAAAAAAAAAAAAAAAAAAAAAAAAAAAAAAAAAAAAAAAAAAAAAAAAAAAAAAAAAAAAAAAAAAAAAFAAAADwAAAAAAAAAAAAAAAAAAAkUAAAAAQAAABQAAAAUAAAAFAAAAAEAAAAAAAAAZAAAAGQAAAAAAAAAZAAAAGQAAAAVAAAAYAAAAAAAAAAAAAAADwAAACADAAAAAAAAAAAAAAEAAACgMgAAVgcAAKr4//8BAAAAf39/AAEAAABkAAAAAAAAABQAAABAHwAAAAAAACYAAAAAAAAAwOD//wAAAAAmAAAAZAAAABYAAABMAAAAAAAAAAAAAAAEAAAAAAAAAAEAAADn5uYKAAAAACgAAAAoAAAAZAAAAGQAAAAAAAAAzMzMAAAAAABQAAAAUAAAAGQAAABkAAAAAAAAABcAAAAUAAAAAAAAAAAAAAD/fwAA/38AAAAAAAAJAAAABAAAAAAAAAAeAAAAaAAAAAAAAAAAAAAAAAAAAAAAAAAAAAAAECcAABAnAAAAAAAAAAAAAAAAAAAAAAAAAAAAAAAAAAAAAAAAAAAAABQAAAAAAAAAwMD/AAAAAABkAAAAMgAAAAAAAABkAAAAAAAAAH9/fwAKAAAAIgAAABgAAAAAAAAAAAAAAAAAAAAAAAAAAAAAAAAAAAAkAAAAJAAAAAAAAAAHAAAAAAAAAAAAAAAAAAAAAAAAAAAAAAAAAAAAf39/ACUAAABYAAAAAAAAAAAAAAAAAAAAAAAAAAAAAAAAAAAAAAAAAAAAAAAAAAAAAAAAAAAAAAA/AAAAAAAAAKCGAQAAAAAAAAAAAAAAAAAMAAAAAQAAAAAAAAAAAAAAAAAAAB8AAABUAAAAAAAABQAAAAEAAAAAAAAAAAAAAAAAAAAAAAAAAAAAAAAAAAAAAAAAAAAAAAJ/f38AAAAAA8zMzADAwP8Af39/AAAAAAAAAAAAAAAAAAAAAAAAAAAAIQAAABgAAAAUAAAAwAMAAK8BAAA/RwAAuggAABAAAAAmAAAACAAAAD0gAAAAAAAA"/>
               </a:ext>
             </a:extLst>
           </p:cNvSpPr>
@@ -2012,7 +2015,7 @@
             <a:spLocks noGrp="1" noChangeArrowheads="1"/>
             <a:extLst>
               <a:ext uri="smNativeData">
-                <pr:smNativeData xmlns="smNativeData" xmlns:pr="smNativeData" xmlns:p15="http://schemas.microsoft.com/office/powerpoint/2012/main" xmlns:p14="http://schemas.microsoft.com/office/powerpoint/2010/main" xmlns:mc="http://schemas.openxmlformats.org/markup-compatibility/2006" val="SMDATA_15_q5OGZBMAAAAlAAAAZAAAAA0AAAAAAAAAAAAAAAAAAAAAAAAAAAAAAAAAAAAAAAAAAAEAAABQAAAAAAAAAAAA4D8AAAAAAADgPwAAAAAAAOA/AAAAAAAA4D8AAAAAAADgPwAAAAAAAOA/AAAAAAAA4D8AAAAAAADgPwAAAAAAAOA/AAAAAAAA4D8CAAAAjAAAAAAAAAAAAAAARHLEDP///wgAAAAAAAAAAAAAAAAAAAAAAAAAAAAAAAAAAAAAZAAAAAEAAABAAAAAAAAAAAAAAAAAAAAAAAAAAAAAAAAAAAAAAAAAAAAAAAAAAAAAAAAAAAAAAAAAAAAAAAAAAAAAAAAAAAAAAAAAAAAAAAAAAAAAAAAAAAAAAAAAAAAAFAAAADwAAAAAAAAAAAAAAAAAAAkUAAAAAQAAABQAAAAUAAAAFAAAAAEAAAAAAAAAZAAAAGQAAAAAAAAAZAAAAGQAAAAVAAAAYAAAAAAAAAAAAAAADwAAACADAAAAAAAAAAAAAAEAAACgMgAAVgcAAKr4//8BAAAAf39/AAEAAABkAAAAAAAAABQAAABAHwAAAAAAACYAAAAAAAAAwOD//wAAAAAmAAAAZAAAABYAAABMAAAAAAAAAAAAAAAEAAAAAAAAAAEAAADn5uYKAAAAACgAAAAoAAAAZAAAAGQAAAAAAAAAzMzMAAAAAABQAAAAUAAAAGQAAABkAAAAAAAAABcAAAAUAAAAAAAAAAAAAAD/fwAA/38AAAAAAAAJAAAABAAAAByhcwAeAAAAaAAAAAAAAAAAAAAAAAAAAAAAAAAAAAAAECcAABAnAAAAAAAAAAAAAAAAAAAAAAAAAAAAAAAAAAAAAAAAAAAAABQAAAAAAAAAwMD/AAAAAABkAAAAMgAAAAAAAABkAAAAAAAAAH9/fwAKAAAAIgAAABgAAAAAAAAAAAAAAAAAAAAAAAAAAAAAAAAAAAAkAAAAJAAAAAAAAAAHAAAAAAAAAAAAAAAAAAAAAAAAAAAAAAAAAAAAf39/ACUAAABYAAAAAAAAAAAAAAAAAAAAAAAAAAAAAAAAAAAAAAAAAAAAAAAAAAAAAAAAAAAAAAA/AAAAAAAAAKCGAQAAAAAAAAAAAAAAAAAMAAAAAQAAAAAAAAAAAAAAAAAAAB8AAABUAAAAAAAABQAAAAEAAAAAAAAAAAAAAAAAAAAAAAAAAAAAAAAAAAAAAAAAAAAAAAJ/f38AAAAAA8zMzADAwP8Af39/AAAAAAAAAAAAAAAAAAAAAAAAAAAAIQAAABgAAAAUAAAAwAMAAN8JAAA/RwAAihUAABAAAAAmAAAACAAAAD0gAAAAAAAA"/>
+                <pr:smNativeData xmlns:mc="http://schemas.openxmlformats.org/markup-compatibility/2006" xmlns:p14="http://schemas.microsoft.com/office/powerpoint/2010/main" xmlns:p15="http://schemas.microsoft.com/office/powerpoint/2012/main" xmlns:pr="smNativeData" xmlns="smNativeData" val="SMDATA_15_q5OGZBMAAAAlAAAAZAAAAA0AAAAAAAAAAAAAAAAAAAAAAAAAAAAAAAAAAAAAAAAAAAEAAABQAAAAAAAAAAAA4D8AAAAAAADgPwAAAAAAAOA/AAAAAAAA4D8AAAAAAADgPwAAAAAAAOA/AAAAAAAA4D8AAAAAAADgPwAAAAAAAOA/AAAAAAAA4D8CAAAAjAAAAAAAAAAAAAAARHLEDP///wgAAAAAAAAAAAAAAAAAAAAAAAAAAAAAAAAAAAAAZAAAAAEAAABAAAAAAAAAAAAAAAAAAAAAAAAAAAAAAAAAAAAAAAAAAAAAAAAAAAAAAAAAAAAAAAAAAAAAAAAAAAAAAAAAAAAAAAAAAAAAAAAAAAAAAAAAAAAAAAAAAAAAFAAAADwAAAAAAAAAAAAAAAAAAAkUAAAAAQAAABQAAAAUAAAAFAAAAAEAAAAAAAAAZAAAAGQAAAAAAAAAZAAAAGQAAAAVAAAAYAAAAAAAAAAAAAAADwAAACADAAAAAAAAAAAAAAEAAACgMgAAVgcAAKr4//8BAAAAf39/AAEAAABkAAAAAAAAABQAAABAHwAAAAAAACYAAAAAAAAAwOD//wAAAAAmAAAAZAAAABYAAABMAAAAAAAAAAAAAAAEAAAAAAAAAAEAAADn5uYKAAAAACgAAAAoAAAAZAAAAGQAAAAAAAAAzMzMAAAAAABQAAAAUAAAAGQAAABkAAAAAAAAABcAAAAUAAAAAAAAAAAAAAD/fwAA/38AAAAAAAAJAAAABAAAAByhcwAeAAAAaAAAAAAAAAAAAAAAAAAAAAAAAAAAAAAAECcAABAnAAAAAAAAAAAAAAAAAAAAAAAAAAAAAAAAAAAAAAAAAAAAABQAAAAAAAAAwMD/AAAAAABkAAAAMgAAAAAAAABkAAAAAAAAAH9/fwAKAAAAIgAAABgAAAAAAAAAAAAAAAAAAAAAAAAAAAAAAAAAAAAkAAAAJAAAAAAAAAAHAAAAAAAAAAAAAAAAAAAAAAAAAAAAAAAAAAAAf39/ACUAAABYAAAAAAAAAAAAAAAAAAAAAAAAAAAAAAAAAAAAAAAAAAAAAAAAAAAAAAAAAAAAAAA/AAAAAAAAAKCGAQAAAAAAAAAAAAAAAAAMAAAAAQAAAAAAAAAAAAAAAAAAAB8AAABUAAAAAAAABQAAAAEAAAAAAAAAAAAAAAAAAAAAAAAAAAAAAAAAAAAAAAAAAAAAAAJ/f38AAAAAA8zMzADAwP8Af39/AAAAAAAAAAAAAAAAAAAAAAAAAAAAIQAAABgAAAAUAAAAwAMAAN8JAAA/RwAAihUAABAAAAAmAAAACAAAAD0gAAAAAAAA"/>
               </a:ext>
             </a:extLst>
           </p:cNvSpPr>
@@ -2048,7 +2051,7 @@
             <a:spLocks noGrp="1" noChangeArrowheads="1"/>
             <a:extLst>
               <a:ext uri="smNativeData">
-                <pr:smNativeData xmlns="smNativeData" xmlns:pr="smNativeData" xmlns:p15="http://schemas.microsoft.com/office/powerpoint/2012/main" xmlns:p14="http://schemas.microsoft.com/office/powerpoint/2010/main" xmlns:mc="http://schemas.openxmlformats.org/markup-compatibility/2006" val="SMDATA_15_q5OGZBMAAAAlAAAAZAAAAA0AAAAAAAAAAAAAAAAAAAAAAAAAAAAAAAAAAAAAAAAAAAEAAABQAAAAAAAAAAAA4D8AAAAAAADgPwAAAAAAAOA/AAAAAAAA4D8AAAAAAADgPwAAAAAAAOA/AAAAAAAA4D8AAAAAAADgPwAAAAAAAOA/AAAAAAAA4D8CAAAAjAAAAAAAAAAAAAAARHLEDP///wgAAAAAAAAAAAAAAAAAAAAAAAAAAAAAAAAAAAAAZAAAAAEAAABAAAAAAAAAAAAAAAAAAAAAAAAAAAAAAAAAAAAAAAAAAAAAAAAAAAAAAAAAAAAAAAAAAAAAAAAAAAAAAAAAAAAAAAAAAAAAAAAAAAAAAAAAAAAAAAAAAAAAFAAAADwAAAAAAAAAAAAAAAAAAAkUAAAAAQAAABQAAAAUAAAAFAAAAAEAAAAAAAAAZAAAAGQAAAAAAAAAZAAAAGQAAAAVAAAAYAAAAAAAAAAAAAAADwAAACADAAAAAAAAAAAAAAEAAACgMgAAVgcAAKr4//8BAAAAf39/AAEAAABkAAAAAAAAABQAAABAHwAAAAAAACYAAAAAAAAAwOD//wAAAAAmAAAAZAAAABYAAABMAAAAAAAAAAAAAAAEAAAAAAAAAAEAAADn5uYKAAAAACgAAAAoAAAAZAAAAGQAAAAAAAAAzMzMAAAAAABQAAAAUAAAAGQAAABkAAAAAAAAABcAAAAUAAAAAAAAAAAAAAD/fwAA/38AAAAAAAAJAAAABAAAAAAAAAAeAAAAaAAAAAAAAAAAAAAAAAAAAAAAAAAAAAAAECcAABAnAAAAAAAAAAAAAAAAAAAAAAAAAAAAAAAAAAAAAAAAAAAAABQAAAAAAAAAwMD/AAAAAABkAAAAMgAAAAAAAABkAAAAAAAAAH9/fwAKAAAAIgAAABgAAAAAAAAAAAAAAAAAAAAAAAAAAAAAAAAAAAAkAAAAJAAAAAAAAAAHAAAAAAAAAAAAAAAAAAAAAAAAAAAAAAAAAAAAf39/ACUAAABYAAAAAAAAAAAAAAAAAAAAAAAAAAAAAAAAAAAAAAAAAAAAAAAAAAAAAAAAAAAAAAA/AAAAAAAAAKCGAQAAAAAAAAAAAAAAAAAMAAAAAQAAAAAAAAAAAAAAAAAAAB8AAABUAAAAAAAABQAAAAEAAAAAAAAAAAAAAAAAAAAAAAAAAAAAAAAAAAAAAAAAAAAAAAJ/f38AAAAAA8zMzADAwP8Af39/AAAAAAAAAAAAAAAAAAAAAAAAAAAAIQAAABgAAAAUAAAAwAMAAKcWAAA/RwAAUiIAABAAAAAmAAAACAAAAD0gAAAAAAAA"/>
+                <pr:smNativeData xmlns:mc="http://schemas.openxmlformats.org/markup-compatibility/2006" xmlns:p14="http://schemas.microsoft.com/office/powerpoint/2010/main" xmlns:p15="http://schemas.microsoft.com/office/powerpoint/2012/main" xmlns:pr="smNativeData" xmlns="smNativeData" val="SMDATA_15_q5OGZBMAAAAlAAAAZAAAAA0AAAAAAAAAAAAAAAAAAAAAAAAAAAAAAAAAAAAAAAAAAAEAAABQAAAAAAAAAAAA4D8AAAAAAADgPwAAAAAAAOA/AAAAAAAA4D8AAAAAAADgPwAAAAAAAOA/AAAAAAAA4D8AAAAAAADgPwAAAAAAAOA/AAAAAAAA4D8CAAAAjAAAAAAAAAAAAAAARHLEDP///wgAAAAAAAAAAAAAAAAAAAAAAAAAAAAAAAAAAAAAZAAAAAEAAABAAAAAAAAAAAAAAAAAAAAAAAAAAAAAAAAAAAAAAAAAAAAAAAAAAAAAAAAAAAAAAAAAAAAAAAAAAAAAAAAAAAAAAAAAAAAAAAAAAAAAAAAAAAAAAAAAAAAAFAAAADwAAAAAAAAAAAAAAAAAAAkUAAAAAQAAABQAAAAUAAAAFAAAAAEAAAAAAAAAZAAAAGQAAAAAAAAAZAAAAGQAAAAVAAAAYAAAAAAAAAAAAAAADwAAACADAAAAAAAAAAAAAAEAAACgMgAAVgcAAKr4//8BAAAAf39/AAEAAABkAAAAAAAAABQAAABAHwAAAAAAACYAAAAAAAAAwOD//wAAAAAmAAAAZAAAABYAAABMAAAAAAAAAAAAAAAEAAAAAAAAAAEAAADn5uYKAAAAACgAAAAoAAAAZAAAAGQAAAAAAAAAzMzMAAAAAABQAAAAUAAAAGQAAABkAAAAAAAAABcAAAAUAAAAAAAAAAAAAAD/fwAA/38AAAAAAAAJAAAABAAAAAAAAAAeAAAAaAAAAAAAAAAAAAAAAAAAAAAAAAAAAAAAECcAABAnAAAAAAAAAAAAAAAAAAAAAAAAAAAAAAAAAAAAAAAAAAAAABQAAAAAAAAAwMD/AAAAAABkAAAAMgAAAAAAAABkAAAAAAAAAH9/fwAKAAAAIgAAABgAAAAAAAAAAAAAAAAAAAAAAAAAAAAAAAAAAAAkAAAAJAAAAAAAAAAHAAAAAAAAAAAAAAAAAAAAAAAAAAAAAAAAAAAAf39/ACUAAABYAAAAAAAAAAAAAAAAAAAAAAAAAAAAAAAAAAAAAAAAAAAAAAAAAAAAAAAAAAAAAAA/AAAAAAAAAKCGAQAAAAAAAAAAAAAAAAAMAAAAAQAAAAAAAAAAAAAAAAAAAB8AAABUAAAAAAAABQAAAAEAAAAAAAAAAAAAAAAAAAAAAAAAAAAAAAAAAAAAAAAAAAAAAAJ/f38AAAAAA8zMzADAwP8Af39/AAAAAAAAAAAAAAAAAAAAAAAAAAAAIQAAABgAAAAUAAAAwAMAAKcWAAA/RwAAUiIAABAAAAAmAAAACAAAAD0gAAAAAAAA"/>
               </a:ext>
             </a:extLst>
           </p:cNvSpPr>
@@ -2109,7 +2112,7 @@
             <a:spLocks noGrp="1" noChangeArrowheads="1"/>
             <a:extLst>
               <a:ext uri="smNativeData">
-                <pr:smNativeData xmlns="smNativeData" xmlns:pr="smNativeData" xmlns:p15="http://schemas.microsoft.com/office/powerpoint/2012/main" xmlns:p14="http://schemas.microsoft.com/office/powerpoint/2010/main" xmlns:mc="http://schemas.openxmlformats.org/markup-compatibility/2006" val="SMDATA_15_q5OGZBMAAAAlAAAAZAAAAA0AAAAAAAAAAAAAAAAAAAAAAAAAAAAAAAABAAAAAAAAAAEAAABQAAAAAAAAAAAA4D8AAAAAAADgPwAAAAAAAOA/AAAAAAAA4D8AAAAAAADgPwAAAAAAAOA/AAAAAAAA4D8AAAAAAADgPwAAAAAAAOA/AAAAAAAA4D8CAAAAjAAAAAAAAAAAAAAARHLEDP///wgAAAAAAAAAAAAAAAAAAAAAAAAAAAAAAAAAAAAAZAAAAAEAAABAAAAAAAAAAAAAAAAAAAAAAAAAAAAAAAAAAAAAAAAAAAAAAAAAAAAAAAAAAAAAAAAAAAAAAAAAAAAAAAAAAAAAAAAAAAAAAAAAAAAAAAAAAAAAAAAAAAAAFAAAADwAAAAAAAAAAAAAAAAAAAkUAAAAAQAAABQAAAAUAAAAFAAAAAEAAAAAAAAAZAAAAGQAAAAAAAAAZAAAAGQAAAAVAAAAYAAAAAAAAAAAAAAADwAAACADAAAAAAAAAAAAAAEAAACgMgAAVgcAAKr4//8BAAAAf39/AAEAAABkAAAAAAAAABQAAABAHwAAAAAAACYAAAAAAAAAwOD//wAAAAAmAAAAZAAAABYAAABMAAAAAAAAAAAAAAAEAAAAAAAAAAEAAADn5uYKAAAAACgAAAAoAAAAZAAAAGQAAAAAAAAAzMzMAAAAAABQAAAAUAAAAGQAAABkAAAAAAAAABcAAAAUAAAAAAAAAAAAAAD/fwAA/38AAAAAAAAJAAAABAAAAAjKcwAeAAAAaAAAAAAAAAAAAAAAAAAAAAAAAAAAAAAAECcAABAnAAAAAAAAAAAAAAAAAAAAAAAAAAAAAAAAAAAAAAAAAAAAABQAAAAAAAAAwMD/AAAAAABkAAAAMgAAAAAAAABkAAAAAAAAAH9/fwAKAAAAIgAAABgAAAAAAAAAAAAAAAAAAAAAAAAAAAAAAAAAAAAkAAAAJAAAAAAAAAAHAAAAAAAAAAAAAAAAAAAAAAAAAAAAAAAAAAAAf39/ACUAAABYAAAAAAAAAAAAAAAAAAAAAAAAAAAAAAAAAAAAAAAAAAAAAAAAAAAAAAAAAAAAAAA/AAAAAAAAAKCGAQAAAAAAAAAAAAAAAAAMAAAAAQAAAAAAAAAAAAAAAAAAAB8AAABUAAAAAAAABQAAAAEAAAAAAAAAAAAAAAAAAAAAAAAAAAAAAAAAAAAAAAAAAAAAAAJ/f38AAAAAA8zMzADAwP8Af39/AAAAAAAAAAAAAAAAAAAAAAAAAAAAIQAAABgAAAAUAAAAwAMAAK8BAAA/RwAAuggAABAAAAAmAAAACAAAAD0gAAAAAAAA"/>
+                <pr:smNativeData xmlns:mc="http://schemas.openxmlformats.org/markup-compatibility/2006" xmlns:p14="http://schemas.microsoft.com/office/powerpoint/2010/main" xmlns:p15="http://schemas.microsoft.com/office/powerpoint/2012/main" xmlns:pr="smNativeData" xmlns="smNativeData" val="SMDATA_15_q5OGZBMAAAAlAAAAZAAAAA0AAAAAAAAAAAAAAAAAAAAAAAAAAAAAAAABAAAAAAAAAAEAAABQAAAAAAAAAAAA4D8AAAAAAADgPwAAAAAAAOA/AAAAAAAA4D8AAAAAAADgPwAAAAAAAOA/AAAAAAAA4D8AAAAAAADgPwAAAAAAAOA/AAAAAAAA4D8CAAAAjAAAAAAAAAAAAAAARHLEDP///wgAAAAAAAAAAAAAAAAAAAAAAAAAAAAAAAAAAAAAZAAAAAEAAABAAAAAAAAAAAAAAAAAAAAAAAAAAAAAAAAAAAAAAAAAAAAAAAAAAAAAAAAAAAAAAAAAAAAAAAAAAAAAAAAAAAAAAAAAAAAAAAAAAAAAAAAAAAAAAAAAAAAAFAAAADwAAAAAAAAAAAAAAAAAAAkUAAAAAQAAABQAAAAUAAAAFAAAAAEAAAAAAAAAZAAAAGQAAAAAAAAAZAAAAGQAAAAVAAAAYAAAAAAAAAAAAAAADwAAACADAAAAAAAAAAAAAAEAAACgMgAAVgcAAKr4//8BAAAAf39/AAEAAABkAAAAAAAAABQAAABAHwAAAAAAACYAAAAAAAAAwOD//wAAAAAmAAAAZAAAABYAAABMAAAAAAAAAAAAAAAEAAAAAAAAAAEAAADn5uYKAAAAACgAAAAoAAAAZAAAAGQAAAAAAAAAzMzMAAAAAABQAAAAUAAAAGQAAABkAAAAAAAAABcAAAAUAAAAAAAAAAAAAAD/fwAA/38AAAAAAAAJAAAABAAAAAjKcwAeAAAAaAAAAAAAAAAAAAAAAAAAAAAAAAAAAAAAECcAABAnAAAAAAAAAAAAAAAAAAAAAAAAAAAAAAAAAAAAAAAAAAAAABQAAAAAAAAAwMD/AAAAAABkAAAAMgAAAAAAAABkAAAAAAAAAH9/fwAKAAAAIgAAABgAAAAAAAAAAAAAAAAAAAAAAAAAAAAAAAAAAAAkAAAAJAAAAAAAAAAHAAAAAAAAAAAAAAAAAAAAAAAAAAAAAAAAAAAAf39/ACUAAABYAAAAAAAAAAAAAAAAAAAAAAAAAAAAAAAAAAAAAAAAAAAAAAAAAAAAAAAAAAAAAAA/AAAAAAAAAKCGAQAAAAAAAAAAAAAAAAAMAAAAAQAAAAAAAAAAAAAAAAAAAB8AAABUAAAAAAAABQAAAAEAAAAAAAAAAAAAAAAAAAAAAAAAAAAAAAAAAAAAAAAAAAAAAAJ/f38AAAAAA8zMzADAwP8Af39/AAAAAAAAAAAAAAAAAAAAAAAAAAAAIQAAABgAAAAUAAAAwAMAAK8BAAA/RwAAuggAABAAAAAmAAAACAAAAD0gAAAAAAAA"/>
               </a:ext>
             </a:extLst>
           </p:cNvSpPr>
@@ -2145,7 +2148,7 @@
             <a:spLocks noGrp="1" noChangeArrowheads="1"/>
             <a:extLst>
               <a:ext uri="smNativeData">
-                <pr:smNativeData xmlns="smNativeData" xmlns:pr="smNativeData" xmlns:p15="http://schemas.microsoft.com/office/powerpoint/2012/main" xmlns:p14="http://schemas.microsoft.com/office/powerpoint/2010/main" xmlns:mc="http://schemas.openxmlformats.org/markup-compatibility/2006" val="SMDATA_15_q5OGZBMAAAAlAAAAZAAAAA0AAAAAAAAAAAAAAAAAAAAAAAAAAAAAAAAAAAAAAAAAAAEAAABQAAAAAAAAAAAA4D8AAAAAAADgPwAAAAAAAOA/AAAAAAAA4D8AAAAAAADgPwAAAAAAAOA/AAAAAAAA4D8AAAAAAADgPwAAAAAAAOA/AAAAAAAA4D8CAAAAjAAAAAAAAAAAAAAARHLEDP///wgAAAAAAAAAAAAAAAAAAAAAAAAAAAAAAAAAAAAAZAAAAAEAAABAAAAAAAAAAAAAAAAAAAAAAAAAAAAAAAAAAAAAAAAAAAAAAAAAAAAAAAAAAAAAAAAAAAAAAAAAAAAAAAAAAAAAAAAAAAAAAAAAAAAAAAAAAAAAAAAAAAAAFAAAADwAAAAAAAAAAAAAAAAAAAkUAAAAAQAAABQAAAAUAAAAFAAAAAEAAAAAAAAAZAAAAGQAAAAAAAAAZAAAAGQAAAAVAAAAYAAAAAAAAAAAAAAADwAAACADAAAAAAAAAAAAAAEAAACgMgAAVgcAAKr4//8BAAAAf39/AAEAAABkAAAAAAAAABQAAABAHwAAAAAAACYAAAAAAAAAwOD//wAAAAAmAAAAZAAAABYAAABMAAAAAAAAAAAAAAAEAAAAAAAAAAEAAADn5uYKAAAAACgAAAAoAAAAZAAAAGQAAAAAAAAAzMzMAAAAAABQAAAAUAAAAGQAAABkAAAAAAAAABcAAAAUAAAAAAAAAAAAAAD/fwAA/38AAAAAAAAJAAAABAAAAJjl0wQeAAAAaAAAAAAAAAAAAAAAAAAAAAAAAAAAAAAAECcAABAnAAAAAAAAAAAAAAAAAAAAAAAAAAAAAAAAAAAAAAAAAAAAABQAAAAAAAAAwMD/AAAAAABkAAAAMgAAAAAAAABkAAAAAAAAAH9/fwAKAAAAIgAAABgAAAAAAAAAAAAAAAAAAAAAAAAAAAAAAAAAAAAkAAAAJAAAAAAAAAAHAAAAAAAAAAAAAAAAAAAAAAAAAAAAAAAAAAAAf39/ACUAAABYAAAAAAAAAAAAAAAAAAAAAAAAAAAAAAAAAAAAAAAAAAAAAAAAAAAAAAAAAAAAAAA/AAAAAAAAAKCGAQAAAAAAAAAAAAAAAAAMAAAAAQAAAAAAAAAAAAAAAAAAAB8AAABUAAAAAAAABQAAAAEAAAAAAAAAAAAAAAAAAAAAAAAAAAAAAAAAAAAAAAAAAAAAAAJ/f38AAAAAA8zMzADAwP8Af39/AAAAAAAAAAAAAAAAAAAAAAAAAAAAIQAAABgAAAAUAAAAwAMAAN8JAACwJAAAihUAABAAAAAmAAAACAAAAD0gAAAAAAAA"/>
+                <pr:smNativeData xmlns:mc="http://schemas.openxmlformats.org/markup-compatibility/2006" xmlns:p14="http://schemas.microsoft.com/office/powerpoint/2010/main" xmlns:p15="http://schemas.microsoft.com/office/powerpoint/2012/main" xmlns:pr="smNativeData" xmlns="smNativeData" val="SMDATA_15_q5OGZBMAAAAlAAAAZAAAAA0AAAAAAAAAAAAAAAAAAAAAAAAAAAAAAAAAAAAAAAAAAAEAAABQAAAAAAAAAAAA4D8AAAAAAADgPwAAAAAAAOA/AAAAAAAA4D8AAAAAAADgPwAAAAAAAOA/AAAAAAAA4D8AAAAAAADgPwAAAAAAAOA/AAAAAAAA4D8CAAAAjAAAAAAAAAAAAAAARHLEDP///wgAAAAAAAAAAAAAAAAAAAAAAAAAAAAAAAAAAAAAZAAAAAEAAABAAAAAAAAAAAAAAAAAAAAAAAAAAAAAAAAAAAAAAAAAAAAAAAAAAAAAAAAAAAAAAAAAAAAAAAAAAAAAAAAAAAAAAAAAAAAAAAAAAAAAAAAAAAAAAAAAAAAAFAAAADwAAAAAAAAAAAAAAAAAAAkUAAAAAQAAABQAAAAUAAAAFAAAAAEAAAAAAAAAZAAAAGQAAAAAAAAAZAAAAGQAAAAVAAAAYAAAAAAAAAAAAAAADwAAACADAAAAAAAAAAAAAAEAAACgMgAAVgcAAKr4//8BAAAAf39/AAEAAABkAAAAAAAAABQAAABAHwAAAAAAACYAAAAAAAAAwOD//wAAAAAmAAAAZAAAABYAAABMAAAAAAAAAAAAAAAEAAAAAAAAAAEAAADn5uYKAAAAACgAAAAoAAAAZAAAAGQAAAAAAAAAzMzMAAAAAABQAAAAUAAAAGQAAABkAAAAAAAAABcAAAAUAAAAAAAAAAAAAAD/fwAA/38AAAAAAAAJAAAABAAAAJjl0wQeAAAAaAAAAAAAAAAAAAAAAAAAAAAAAAAAAAAAECcAABAnAAAAAAAAAAAAAAAAAAAAAAAAAAAAAAAAAAAAAAAAAAAAABQAAAAAAAAAwMD/AAAAAABkAAAAMgAAAAAAAABkAAAAAAAAAH9/fwAKAAAAIgAAABgAAAAAAAAAAAAAAAAAAAAAAAAAAAAAAAAAAAAkAAAAJAAAAAAAAAAHAAAAAAAAAAAAAAAAAAAAAAAAAAAAAAAAAAAAf39/ACUAAABYAAAAAAAAAAAAAAAAAAAAAAAAAAAAAAAAAAAAAAAAAAAAAAAAAAAAAAAAAAAAAAA/AAAAAAAAAKCGAQAAAAAAAAAAAAAAAAAMAAAAAQAAAAAAAAAAAAAAAAAAAB8AAABUAAAAAAAABQAAAAEAAAAAAAAAAAAAAAAAAAAAAAAAAAAAAAAAAAAAAAAAAAAAAAJ/f38AAAAAA8zMzADAwP8Af39/AAAAAAAAAAAAAAAAAAAAAAAAAAAAIQAAABgAAAAUAAAAwAMAAN8JAACwJAAAihUAABAAAAAmAAAACAAAAD0gAAAAAAAA"/>
               </a:ext>
             </a:extLst>
           </p:cNvSpPr>
@@ -2181,7 +2184,7 @@
             <a:spLocks noGrp="1" noChangeArrowheads="1"/>
             <a:extLst>
               <a:ext uri="smNativeData">
-                <pr:smNativeData xmlns="smNativeData" xmlns:pr="smNativeData" xmlns:p15="http://schemas.microsoft.com/office/powerpoint/2012/main" xmlns:p14="http://schemas.microsoft.com/office/powerpoint/2010/main" xmlns:mc="http://schemas.openxmlformats.org/markup-compatibility/2006" val="SMDATA_15_q5OGZBMAAAAlAAAAZAAAAA0AAAAAAAAAAAAAAAAAAAAAAAAAAAAAAAAAAAAAAAAAAAEAAABQAAAAAAAAAAAA4D8AAAAAAADgPwAAAAAAAOA/AAAAAAAA4D8AAAAAAADgPwAAAAAAAOA/AAAAAAAA4D8AAAAAAADgPwAAAAAAAOA/AAAAAAAA4D8CAAAAjAAAAAAAAAAAAAAARHLEDP///wgAAAAAAAAAAAAAAAAAAAAAAAAAAAAAAAAAAAAAZAAAAAEAAABAAAAAAAAAAAAAAAAAAAAAAAAAAAAAAAAAAAAAAAAAAAAAAAAAAAAAAAAAAAAAAAAAAAAAAAAAAAAAAAAAAAAAAAAAAAAAAAAAAAAAAAAAAAAAAAAAAAAAFAAAADwAAAAAAAAAAAAAAAAAAAkUAAAAAQAAABQAAAAUAAAAFAAAAAEAAAAAAAAAZAAAAGQAAAAAAAAAZAAAAGQAAAAVAAAAYAAAAAAAAAAAAAAADwAAACADAAAAAAAAAAAAAAEAAACgMgAAVgcAAKr4//8BAAAAf39/AAEAAABkAAAAAAAAABQAAABAHwAAAAAAACYAAAAAAAAAwOD//wAAAAAmAAAAZAAAABYAAABMAAAAAAAAAAAAAAAEAAAAAAAAAAEAAADn5uYKAAAAACgAAAAoAAAAZAAAAGQAAAAAAAAAzMzMAAAAAABQAAAAUAAAAGQAAABkAAAAAAAAABcAAAAUAAAAAAAAAAAAAAD/fwAA/38AAAAAAAAJAAAABAAAAAAAAAAeAAAAaAAAAAAAAAAAAAAAAAAAAAAAAAAAAAAAECcAABAnAAAAAAAAAAAAAAAAAAAAAAAAAAAAAAAAAAAAAAAAAAAAABQAAAAAAAAAwMD/AAAAAABkAAAAMgAAAAAAAABkAAAAAAAAAH9/fwAKAAAAIgAAABgAAAAAAAAAAAAAAAAAAAAAAAAAAAAAAAAAAAAkAAAAJAAAAAAAAAAHAAAAAAAAAAAAAAAAAAAAAAAAAAAAAAAAAAAAf39/ACUAAABYAAAAAAAAAAAAAAAAAAAAAAAAAAAAAAAAAAAAAAAAAAAAAAAAAAAAAAAAAAAAAAA/AAAAAAAAAKCGAQAAAAAAAAAAAAAAAAAMAAAAAQAAAAAAAAAAAAAAAAAAAB8AAABUAAAAAAAABQAAAAEAAAAAAAAAAAAAAAAAAAAAAAAAAAAAAAAAAAAAAAAAAAAAAAJ/f38AAAAAA8zMzADAwP8Af39/AAAAAAAAAAAAAAAAAAAAAAAAAAAAIQAAABgAAAAUAAAAViYAAN8JAABGRwAAihUAABAAAAAmAAAACAAAAD0gAAAAAAAA"/>
+                <pr:smNativeData xmlns:mc="http://schemas.openxmlformats.org/markup-compatibility/2006" xmlns:p14="http://schemas.microsoft.com/office/powerpoint/2010/main" xmlns:p15="http://schemas.microsoft.com/office/powerpoint/2012/main" xmlns:pr="smNativeData" xmlns="smNativeData" val="SMDATA_15_q5OGZBMAAAAlAAAAZAAAAA0AAAAAAAAAAAAAAAAAAAAAAAAAAAAAAAAAAAAAAAAAAAEAAABQAAAAAAAAAAAA4D8AAAAAAADgPwAAAAAAAOA/AAAAAAAA4D8AAAAAAADgPwAAAAAAAOA/AAAAAAAA4D8AAAAAAADgPwAAAAAAAOA/AAAAAAAA4D8CAAAAjAAAAAAAAAAAAAAARHLEDP///wgAAAAAAAAAAAAAAAAAAAAAAAAAAAAAAAAAAAAAZAAAAAEAAABAAAAAAAAAAAAAAAAAAAAAAAAAAAAAAAAAAAAAAAAAAAAAAAAAAAAAAAAAAAAAAAAAAAAAAAAAAAAAAAAAAAAAAAAAAAAAAAAAAAAAAAAAAAAAAAAAAAAAFAAAADwAAAAAAAAAAAAAAAAAAAkUAAAAAQAAABQAAAAUAAAAFAAAAAEAAAAAAAAAZAAAAGQAAAAAAAAAZAAAAGQAAAAVAAAAYAAAAAAAAAAAAAAADwAAACADAAAAAAAAAAAAAAEAAACgMgAAVgcAAKr4//8BAAAAf39/AAEAAABkAAAAAAAAABQAAABAHwAAAAAAACYAAAAAAAAAwOD//wAAAAAmAAAAZAAAABYAAABMAAAAAAAAAAAAAAAEAAAAAAAAAAEAAADn5uYKAAAAACgAAAAoAAAAZAAAAGQAAAAAAAAAzMzMAAAAAABQAAAAUAAAAGQAAABkAAAAAAAAABcAAAAUAAAAAAAAAAAAAAD/fwAA/38AAAAAAAAJAAAABAAAAAAAAAAeAAAAaAAAAAAAAAAAAAAAAAAAAAAAAAAAAAAAECcAABAnAAAAAAAAAAAAAAAAAAAAAAAAAAAAAAAAAAAAAAAAAAAAABQAAAAAAAAAwMD/AAAAAABkAAAAMgAAAAAAAABkAAAAAAAAAH9/fwAKAAAAIgAAABgAAAAAAAAAAAAAAAAAAAAAAAAAAAAAAAAAAAAkAAAAJAAAAAAAAAAHAAAAAAAAAAAAAAAAAAAAAAAAAAAAAAAAAAAAf39/ACUAAABYAAAAAAAAAAAAAAAAAAAAAAAAAAAAAAAAAAAAAAAAAAAAAAAAAAAAAAAAAAAAAAA/AAAAAAAAAKCGAQAAAAAAAAAAAAAAAAAMAAAAAQAAAAAAAAAAAAAAAAAAAB8AAABUAAAAAAAABQAAAAEAAAAAAAAAAAAAAAAAAAAAAAAAAAAAAAAAAAAAAAAAAAAAAAJ/f38AAAAAA8zMzADAwP8Af39/AAAAAAAAAAAAAAAAAAAAAAAAAAAAIQAAABgAAAAUAAAAViYAAN8JAABGRwAAihUAABAAAAAmAAAACAAAAD0gAAAAAAAA"/>
               </a:ext>
             </a:extLst>
           </p:cNvSpPr>
@@ -2217,7 +2220,7 @@
             <a:spLocks noGrp="1" noChangeArrowheads="1"/>
             <a:extLst>
               <a:ext uri="smNativeData">
-                <pr:smNativeData xmlns="smNativeData" xmlns:pr="smNativeData" xmlns:p15="http://schemas.microsoft.com/office/powerpoint/2012/main" xmlns:p14="http://schemas.microsoft.com/office/powerpoint/2010/main" xmlns:mc="http://schemas.openxmlformats.org/markup-compatibility/2006" val="SMDATA_15_q5OGZBMAAAAlAAAAZAAAAA0AAAAAAAAAAAAAAAAAAAAAAAAAAAAAAAAAAAAAAAAAAAEAAABQAAAAAAAAAAAA4D8AAAAAAADgPwAAAAAAAOA/AAAAAAAA4D8AAAAAAADgPwAAAAAAAOA/AAAAAAAA4D8AAAAAAADgPwAAAAAAAOA/AAAAAAAA4D8CAAAAjAAAAAAAAAAAAAAARHLEDP///wgAAAAAAAAAAAAAAAAAAAAAAAAAAAAAAAAAAAAAZAAAAAEAAABAAAAAAAAAAAAAAAAAAAAAAAAAAAAAAAAAAAAAAAAAAAAAAAAAAAAAAAAAAAAAAAAAAAAAAAAAAAAAAAAAAAAAAAAAAAAAAAAAAAAAAAAAAAAAAAAAAAAAFAAAADwAAAAAAAAAAAAAAAAAAAkUAAAAAQAAABQAAAAUAAAAFAAAAAEAAAAAAAAAZAAAAGQAAAAAAAAAZAAAAGQAAAAVAAAAYAAAAAAAAAAAAAAADwAAACADAAAAAAAAAAAAAAEAAACgMgAAVgcAAKr4//8BAAAAf39/AAEAAABkAAAAAAAAABQAAABAHwAAAAAAACYAAAAAAAAAwOD//wAAAAAmAAAAZAAAABYAAABMAAAAAAAAAAAAAAAEAAAAAAAAAAEAAADn5uYKAAAAACgAAAAoAAAAZAAAAGQAAAAAAAAAzMzMAAAAAABQAAAAUAAAAGQAAABkAAAAAAAAABcAAAAUAAAAAAAAAAAAAAD/fwAA/38AAAAAAAAJAAAABAAAAAAAAAAeAAAAaAAAAAAAAAAAAAAAAAAAAAAAAAAAAAAAECcAABAnAAAAAAAAAAAAAAAAAAAAAAAAAAAAAAAAAAAAAAAAAAAAABQAAAAAAAAAwMD/AAAAAABkAAAAMgAAAAAAAABkAAAAAAAAAH9/fwAKAAAAIgAAABgAAAAAAAAAAAAAAAAAAAAAAAAAAAAAAAAAAAAkAAAAJAAAAAAAAAAHAAAAAAAAAAAAAAAAAAAAAAAAAAAAAAAAAAAAf39/ACUAAABYAAAAAAAAAAAAAAAAAAAAAAAAAAAAAAAAAAAAAAAAAAAAAAAAAAAAAAAAAAAAAAA/AAAAAAAAAKCGAQAAAAAAAAAAAAAAAAAMAAAAAQAAAAAAAAAAAAAAAAAAAB8AAABUAAAAAAAABQAAAAEAAAAAAAAAAAAAAAAAAAAAAAAAAAAAAAAAAAAAAAAAAAAAAAJ/f38AAAAAA8zMzADAwP8Af39/AAAAAAAAAAAAAAAAAAAAAAAAAAAAIQAAABgAAAAUAAAAwAMAAKcWAACwJAAAUiIAABAAAAAmAAAACAAAAD0gAAAAAAAA"/>
+                <pr:smNativeData xmlns:mc="http://schemas.openxmlformats.org/markup-compatibility/2006" xmlns:p14="http://schemas.microsoft.com/office/powerpoint/2010/main" xmlns:p15="http://schemas.microsoft.com/office/powerpoint/2012/main" xmlns:pr="smNativeData" xmlns="smNativeData" val="SMDATA_15_q5OGZBMAAAAlAAAAZAAAAA0AAAAAAAAAAAAAAAAAAAAAAAAAAAAAAAAAAAAAAAAAAAEAAABQAAAAAAAAAAAA4D8AAAAAAADgPwAAAAAAAOA/AAAAAAAA4D8AAAAAAADgPwAAAAAAAOA/AAAAAAAA4D8AAAAAAADgPwAAAAAAAOA/AAAAAAAA4D8CAAAAjAAAAAAAAAAAAAAARHLEDP///wgAAAAAAAAAAAAAAAAAAAAAAAAAAAAAAAAAAAAAZAAAAAEAAABAAAAAAAAAAAAAAAAAAAAAAAAAAAAAAAAAAAAAAAAAAAAAAAAAAAAAAAAAAAAAAAAAAAAAAAAAAAAAAAAAAAAAAAAAAAAAAAAAAAAAAAAAAAAAAAAAAAAAFAAAADwAAAAAAAAAAAAAAAAAAAkUAAAAAQAAABQAAAAUAAAAFAAAAAEAAAAAAAAAZAAAAGQAAAAAAAAAZAAAAGQAAAAVAAAAYAAAAAAAAAAAAAAADwAAACADAAAAAAAAAAAAAAEAAACgMgAAVgcAAKr4//8BAAAAf39/AAEAAABkAAAAAAAAABQAAABAHwAAAAAAACYAAAAAAAAAwOD//wAAAAAmAAAAZAAAABYAAABMAAAAAAAAAAAAAAAEAAAAAAAAAAEAAADn5uYKAAAAACgAAAAoAAAAZAAAAGQAAAAAAAAAzMzMAAAAAABQAAAAUAAAAGQAAABkAAAAAAAAABcAAAAUAAAAAAAAAAAAAAD/fwAA/38AAAAAAAAJAAAABAAAAAAAAAAeAAAAaAAAAAAAAAAAAAAAAAAAAAAAAAAAAAAAECcAABAnAAAAAAAAAAAAAAAAAAAAAAAAAAAAAAAAAAAAAAAAAAAAABQAAAAAAAAAwMD/AAAAAABkAAAAMgAAAAAAAABkAAAAAAAAAH9/fwAKAAAAIgAAABgAAAAAAAAAAAAAAAAAAAAAAAAAAAAAAAAAAAAkAAAAJAAAAAAAAAAHAAAAAAAAAAAAAAAAAAAAAAAAAAAAAAAAAAAAf39/ACUAAABYAAAAAAAAAAAAAAAAAAAAAAAAAAAAAAAAAAAAAAAAAAAAAAAAAAAAAAAAAAAAAAA/AAAAAAAAAKCGAQAAAAAAAAAAAAAAAAAMAAAAAQAAAAAAAAAAAAAAAAAAAB8AAABUAAAAAAAABQAAAAEAAAAAAAAAAAAAAAAAAAAAAAAAAAAAAAAAAAAAAAAAAAAAAAJ/f38AAAAAA8zMzADAwP8Af39/AAAAAAAAAAAAAAAAAAAAAAAAAAAAIQAAABgAAAAUAAAAwAMAAKcWAACwJAAAUiIAABAAAAAmAAAACAAAAD0gAAAAAAAA"/>
               </a:ext>
             </a:extLst>
           </p:cNvSpPr>
@@ -2253,7 +2256,7 @@
             <a:spLocks noGrp="1" noChangeArrowheads="1"/>
             <a:extLst>
               <a:ext uri="smNativeData">
-                <pr:smNativeData xmlns="smNativeData" xmlns:pr="smNativeData" xmlns:p15="http://schemas.microsoft.com/office/powerpoint/2012/main" xmlns:p14="http://schemas.microsoft.com/office/powerpoint/2010/main" xmlns:mc="http://schemas.openxmlformats.org/markup-compatibility/2006" val="SMDATA_15_q5OGZBMAAAAlAAAAZAAAAA0AAAAAAAAAAAAAAAAAAAAAAAAAAAAAAAAAAAAAAAAAAAEAAABQAAAAAAAAAAAA4D8AAAAAAADgPwAAAAAAAOA/AAAAAAAA4D8AAAAAAADgPwAAAAAAAOA/AAAAAAAA4D8AAAAAAADgPwAAAAAAAOA/AAAAAAAA4D8CAAAAjAAAAAAAAAAAAAAARHLEDP///wgAAAAAAAAAAAAAAAAAAAAAAAAAAAAAAAAAAAAAZAAAAAEAAABAAAAAAAAAAAAAAAAAAAAAAAAAAAAAAAAAAAAAAAAAAAAAAAAAAAAAAAAAAAAAAAAAAAAAAAAAAAAAAAAAAAAAAAAAAAAAAAAAAAAAAAAAAAAAAAAAAAAAFAAAADwAAAAAAAAAAAAAAAAAAAkUAAAAAQAAABQAAAAUAAAAFAAAAAEAAAAAAAAAZAAAAGQAAAAAAAAAZAAAAGQAAAAVAAAAYAAAAAAAAAAAAAAADwAAACADAAAAAAAAAAAAAAEAAACgMgAAVgcAAKr4//8BAAAAf39/AAEAAABkAAAAAAAAABQAAABAHwAAAAAAACYAAAAAAAAAwOD//wAAAAAmAAAAZAAAABYAAABMAAAAAAAAAAAAAAAEAAAAAAAAAAEAAADn5uYKAAAAACgAAAAoAAAAZAAAAGQAAAAAAAAAzMzMAAAAAABQAAAAUAAAAGQAAABkAAAAAAAAABcAAAAUAAAAAAAAAAAAAAD/fwAA/38AAAAAAAAJAAAABAAAAAAAAAAeAAAAaAAAAAAAAAAAAAAAAAAAAAAAAAAAAAAAECcAABAnAAAAAAAAAAAAAAAAAAAAAAAAAAAAAAAAAAAAAAAAAAAAABQAAAAAAAAAwMD/AAAAAABkAAAAMgAAAAAAAABkAAAAAAAAAH9/fwAKAAAAIgAAABgAAAAAAAAAAAAAAAAAAAAAAAAAAAAAAAAAAAAkAAAAJAAAAAAAAAAHAAAAAAAAAAAAAAAAAAAAAAAAAAAAAAAAAAAAf39/ACUAAABYAAAAAAAAAAAAAAAAAAAAAAAAAAAAAAAAAAAAAAAAAAAAAAAAAAAAAAAAAAAAAAA/AAAAAAAAAKCGAQAAAAAAAAAAAAAAAAAMAAAAAQAAAAAAAAAAAAAAAAAAAB8AAABUAAAAAAAABQAAAAEAAAAAAAAAAAAAAAAAAAAAAAAAAAAAAAAAAAAAAAAAAAAAAAJ/f38AAAAAA8zMzADAwP8Af39/AAAAAAAAAAAAAAAAAAAAAAAAAAAAIQAAABgAAAAUAAAAViYAAKcWAABGRwAAUiIAABAAAAAmAAAACAAAAD0gAAAAAAAA"/>
+                <pr:smNativeData xmlns:mc="http://schemas.openxmlformats.org/markup-compatibility/2006" xmlns:p14="http://schemas.microsoft.com/office/powerpoint/2010/main" xmlns:p15="http://schemas.microsoft.com/office/powerpoint/2012/main" xmlns:pr="smNativeData" xmlns="smNativeData" val="SMDATA_15_q5OGZBMAAAAlAAAAZAAAAA0AAAAAAAAAAAAAAAAAAAAAAAAAAAAAAAAAAAAAAAAAAAEAAABQAAAAAAAAAAAA4D8AAAAAAADgPwAAAAAAAOA/AAAAAAAA4D8AAAAAAADgPwAAAAAAAOA/AAAAAAAA4D8AAAAAAADgPwAAAAAAAOA/AAAAAAAA4D8CAAAAjAAAAAAAAAAAAAAARHLEDP///wgAAAAAAAAAAAAAAAAAAAAAAAAAAAAAAAAAAAAAZAAAAAEAAABAAAAAAAAAAAAAAAAAAAAAAAAAAAAAAAAAAAAAAAAAAAAAAAAAAAAAAAAAAAAAAAAAAAAAAAAAAAAAAAAAAAAAAAAAAAAAAAAAAAAAAAAAAAAAAAAAAAAAFAAAADwAAAAAAAAAAAAAAAAAAAkUAAAAAQAAABQAAAAUAAAAFAAAAAEAAAAAAAAAZAAAAGQAAAAAAAAAZAAAAGQAAAAVAAAAYAAAAAAAAAAAAAAADwAAACADAAAAAAAAAAAAAAEAAACgMgAAVgcAAKr4//8BAAAAf39/AAEAAABkAAAAAAAAABQAAABAHwAAAAAAACYAAAAAAAAAwOD//wAAAAAmAAAAZAAAABYAAABMAAAAAAAAAAAAAAAEAAAAAAAAAAEAAADn5uYKAAAAACgAAAAoAAAAZAAAAGQAAAAAAAAAzMzMAAAAAABQAAAAUAAAAGQAAABkAAAAAAAAABcAAAAUAAAAAAAAAAAAAAD/fwAA/38AAAAAAAAJAAAABAAAAAAAAAAeAAAAaAAAAAAAAAAAAAAAAAAAAAAAAAAAAAAAECcAABAnAAAAAAAAAAAAAAAAAAAAAAAAAAAAAAAAAAAAAAAAAAAAABQAAAAAAAAAwMD/AAAAAABkAAAAMgAAAAAAAABkAAAAAAAAAH9/fwAKAAAAIgAAABgAAAAAAAAAAAAAAAAAAAAAAAAAAAAAAAAAAAAkAAAAJAAAAAAAAAAHAAAAAAAAAAAAAAAAAAAAAAAAAAAAAAAAAAAAf39/ACUAAABYAAAAAAAAAAAAAAAAAAAAAAAAAAAAAAAAAAAAAAAAAAAAAAAAAAAAAAAAAAAAAAA/AAAAAAAAAKCGAQAAAAAAAAAAAAAAAAAMAAAAAQAAAAAAAAAAAAAAAAAAAB8AAABUAAAAAAAABQAAAAEAAAAAAAAAAAAAAAAAAAAAAAAAAAAAAAAAAAAAAAAAAAAAAAJ/f38AAAAAA8zMzADAwP8Af39/AAAAAAAAAAAAAAAAAAAAAAAAAAAAIQAAABgAAAAUAAAAViYAAKcWAABGRwAAUiIAABAAAAAmAAAACAAAAD0gAAAAAAAA"/>
               </a:ext>
             </a:extLst>
           </p:cNvSpPr>
@@ -2314,7 +2317,7 @@
             <a:spLocks noGrp="1" noChangeArrowheads="1"/>
             <a:extLst>
               <a:ext uri="smNativeData">
-                <pr:smNativeData xmlns="smNativeData" xmlns:pr="smNativeData" xmlns:p15="http://schemas.microsoft.com/office/powerpoint/2012/main" xmlns:p14="http://schemas.microsoft.com/office/powerpoint/2010/main" xmlns:mc="http://schemas.openxmlformats.org/markup-compatibility/2006" val="SMDATA_15_q5OGZBMAAAAlAAAAZAAAAA0AAAAAAAAAAAAAAAAAAAAAAAAAAAAAAAABAAAAAAAAAAEAAABQAAAAAAAAAAAA4D8AAAAAAADgPwAAAAAAAOA/AAAAAAAA4D8AAAAAAADgPwAAAAAAAOA/AAAAAAAA4D8AAAAAAADgPwAAAAAAAOA/AAAAAAAA4D8CAAAAjAAAAAAAAAAAAAAARHLEDP///wgAAAAAAAAAAAAAAAAAAAAAAAAAAAAAAAAAAAAAZAAAAAEAAABAAAAAAAAAAAAAAAAAAAAAAAAAAAAAAAAAAAAAAAAAAAAAAAAAAAAAAAAAAAAAAAAAAAAAAAAAAAAAAAAAAAAAAAAAAAAAAAAAAAAAAAAAAAAAAAAAAAAAFAAAADwAAAAAAAAAAAAAAAAAAAkUAAAAAQAAABQAAAAUAAAAFAAAAAEAAAAAAAAAZAAAAGQAAAAAAAAAZAAAAGQAAAAVAAAAYAAAAAAAAAAAAAAADwAAACADAAAAAAAAAAAAAAEAAACgMgAAVgcAAKr4//8BAAAAf39/AAEAAABkAAAAAAAAABQAAABAHwAAAAAAACYAAAAAAAAAwOD//wAAAAAmAAAAZAAAABYAAABMAAAAAAAAAAAAAAAEAAAAAAAAAAEAAADn5uYKAAAAACgAAAAoAAAAZAAAAGQAAAAAAAAAzMzMAAAAAABQAAAAUAAAAGQAAABkAAAAAAAAABcAAAAUAAAAAAAAAAAAAAD/fwAA/38AAAAAAAAJAAAABAAAAAAAAAAeAAAAaAAAAAAAAAAAAAAAAAAAAAAAAAAAAAAAECcAABAnAAAAAAAAAAAAAAAAAAAAAAAAAAAAAAAAAAAAAAAAAAAAABQAAAAAAAAAwMD/AAAAAABkAAAAMgAAAAAAAABkAAAAAAAAAH9/fwAKAAAAIgAAABgAAAAAAAAAAAAAAAAAAAAAAAAAAAAAAAAAAAAkAAAAJAAAAAAAAAAHAAAAAAAAAAAAAAAAAAAAAAAAAAAAAAAAAAAAf39/ACUAAABYAAAAAAAAAAAAAAAAAAAAAAAAAAAAAAAAAAAAAAAAAAAAAAAAAAAAAAAAAAAAAAA/AAAAAAAAAKCGAQAAAAAAAAAAAAAAAAAMAAAAAQAAAAAAAAAAAAAAAAAAAB8AAABUAAAAAAAABQAAAAEAAAAAAAAAAAAAAAAAAAAAAAAAAAAAAAAAAAAAAAAAAAAAAAJ/f38AAAAAA8zMzADAwP8Af39/AAAAAAAAAAAAAAAAAAAAAAAAAAAAIQAAABgAAAAUAAAAwAMAAK8BAAA/RwAAuggAABAAAAAmAAAACAAAAD0gAAAAAAAA"/>
+                <pr:smNativeData xmlns:mc="http://schemas.openxmlformats.org/markup-compatibility/2006" xmlns:p14="http://schemas.microsoft.com/office/powerpoint/2010/main" xmlns:p15="http://schemas.microsoft.com/office/powerpoint/2012/main" xmlns:pr="smNativeData" xmlns="smNativeData" val="SMDATA_15_q5OGZBMAAAAlAAAAZAAAAA0AAAAAAAAAAAAAAAAAAAAAAAAAAAAAAAABAAAAAAAAAAEAAABQAAAAAAAAAAAA4D8AAAAAAADgPwAAAAAAAOA/AAAAAAAA4D8AAAAAAADgPwAAAAAAAOA/AAAAAAAA4D8AAAAAAADgPwAAAAAAAOA/AAAAAAAA4D8CAAAAjAAAAAAAAAAAAAAARHLEDP///wgAAAAAAAAAAAAAAAAAAAAAAAAAAAAAAAAAAAAAZAAAAAEAAABAAAAAAAAAAAAAAAAAAAAAAAAAAAAAAAAAAAAAAAAAAAAAAAAAAAAAAAAAAAAAAAAAAAAAAAAAAAAAAAAAAAAAAAAAAAAAAAAAAAAAAAAAAAAAAAAAAAAAFAAAADwAAAAAAAAAAAAAAAAAAAkUAAAAAQAAABQAAAAUAAAAFAAAAAEAAAAAAAAAZAAAAGQAAAAAAAAAZAAAAGQAAAAVAAAAYAAAAAAAAAAAAAAADwAAACADAAAAAAAAAAAAAAEAAACgMgAAVgcAAKr4//8BAAAAf39/AAEAAABkAAAAAAAAABQAAABAHwAAAAAAACYAAAAAAAAAwOD//wAAAAAmAAAAZAAAABYAAABMAAAAAAAAAAAAAAAEAAAAAAAAAAEAAADn5uYKAAAAACgAAAAoAAAAZAAAAGQAAAAAAAAAzMzMAAAAAABQAAAAUAAAAGQAAABkAAAAAAAAABcAAAAUAAAAAAAAAAAAAAD/fwAA/38AAAAAAAAJAAAABAAAAAAAAAAeAAAAaAAAAAAAAAAAAAAAAAAAAAAAAAAAAAAAECcAABAnAAAAAAAAAAAAAAAAAAAAAAAAAAAAAAAAAAAAAAAAAAAAABQAAAAAAAAAwMD/AAAAAABkAAAAMgAAAAAAAABkAAAAAAAAAH9/fwAKAAAAIgAAABgAAAAAAAAAAAAAAAAAAAAAAAAAAAAAAAAAAAAkAAAAJAAAAAAAAAAHAAAAAAAAAAAAAAAAAAAAAAAAAAAAAAAAAAAAf39/ACUAAABYAAAAAAAAAAAAAAAAAAAAAAAAAAAAAAAAAAAAAAAAAAAAAAAAAAAAAAAAAAAAAAA/AAAAAAAAAKCGAQAAAAAAAAAAAAAAAAAMAAAAAQAAAAAAAAAAAAAAAAAAAB8AAABUAAAAAAAABQAAAAEAAAAAAAAAAAAAAAAAAAAAAAAAAAAAAAAAAAAAAAAAAAAAAAJ/f38AAAAAA8zMzADAwP8Af39/AAAAAAAAAAAAAAAAAAAAAAAAAAAAIQAAABgAAAAUAAAAwAMAAK8BAAA/RwAAuggAABAAAAAmAAAACAAAAD0gAAAAAAAA"/>
               </a:ext>
             </a:extLst>
           </p:cNvSpPr>
@@ -2350,7 +2353,7 @@
             <a:spLocks noGrp="1" noChangeArrowheads="1"/>
             <a:extLst>
               <a:ext uri="smNativeData">
-                <pr:smNativeData xmlns="smNativeData" xmlns:pr="smNativeData" xmlns:p15="http://schemas.microsoft.com/office/powerpoint/2012/main" xmlns:p14="http://schemas.microsoft.com/office/powerpoint/2010/main" xmlns:mc="http://schemas.openxmlformats.org/markup-compatibility/2006" val="SMDATA_15_q5OGZBMAAAAlAAAAZAAAAA0AAAAAAAAAAAAAAAAAAAAAAAAAAAAAAAAAAAAAAAAAAAEAAABQAAAAAAAAAAAA4D8AAAAAAADgPwAAAAAAAOA/AAAAAAAA4D8AAAAAAADgPwAAAAAAAOA/AAAAAAAA4D8AAAAAAADgPwAAAAAAAOA/AAAAAAAA4D8CAAAAjAAAAAAAAAAAAAAARHLEDP///wgAAAAAAAAAAAAAAAAAAAAAAAAAAAAAAAAAAAAAZAAAAAEAAABAAAAAAAAAAAAAAAAAAAAAAAAAAAAAAAAAAAAAAAAAAAAAAAAAAAAAAAAAAAAAAAAAAAAAAAAAAAAAAAAAAAAAAAAAAAAAAAAAAAAAAAAAAAAAAAAAAAAAFAAAADwAAAAAAAAAAAAAAAAAAAkUAAAAAQAAABQAAAAUAAAAFAAAAAEAAAAAAAAAZAAAAGQAAAAAAAAAZAAAAGQAAAAVAAAAYAAAAAAAAAAAAAAADwAAACADAAAAAAAAAAAAAAEAAACgMgAAVgcAAKr4//8BAAAAf39/AAEAAABkAAAAAAAAABQAAABAHwAAAAAAACYAAAAAAAAAwOD//wAAAAAmAAAAZAAAABYAAABMAAAAAAAAAAAAAAAEAAAAAAAAAAEAAADn5uYKAAAAACgAAAAoAAAAZAAAAGQAAAAAAAAAzMzMAAAAAABQAAAAUAAAAGQAAABkAAAAAAAAABcAAAAUAAAAAAAAAAAAAAD/fwAA/38AAAAAAAAJAAAABAAAAAAAAAAeAAAAaAAAAAAAAAAAAAAAAAAAAAAAAAAAAAAAECcAABAnAAAAAAAAAAAAAAAAAAAAAAAAAAAAAAAAAAAAAAAAAAAAABQAAAAAAAAAwMD/AAAAAABkAAAAMgAAAAAAAABkAAAAAAAAAH9/fwAKAAAAIgAAABgAAAAAAAAAAAAAAAAAAAAAAAAAAAAAAAAAAAAkAAAAJAAAAAAAAAAHAAAAAAAAAAAAAAAAAAAAAAAAAAAAAAAAAAAAf39/ACUAAABYAAAAAAAAAAAAAAAAAAAAAAAAAAAAAAAAAAAAAAAAAAAAAAAAAAAAAAAAAAAAAAA/AAAAAAAAAKCGAQAAAAAAAAAAAAAAAAAMAAAAAQAAAAAAAAAAAAAAAAAAAB8AAABUAAAAAAAABQAAAAEAAAAAAAAAAAAAAAAAAAAAAAAAAAAAAAAAAAAAAAAAAAAAAAJ/f38AAAAAA8zMzADAwP8Af39/AAAAAAAAAAAAAAAAAAAAAAAAAAAAIQAAABgAAAAUAAAAwAMAAN8JAAB8GQAAihUAABAAAAAmAAAACAAAAD0gAAAAAAAA"/>
+                <pr:smNativeData xmlns:mc="http://schemas.openxmlformats.org/markup-compatibility/2006" xmlns:p14="http://schemas.microsoft.com/office/powerpoint/2010/main" xmlns:p15="http://schemas.microsoft.com/office/powerpoint/2012/main" xmlns:pr="smNativeData" xmlns="smNativeData" val="SMDATA_15_q5OGZBMAAAAlAAAAZAAAAA0AAAAAAAAAAAAAAAAAAAAAAAAAAAAAAAAAAAAAAAAAAAEAAABQAAAAAAAAAAAA4D8AAAAAAADgPwAAAAAAAOA/AAAAAAAA4D8AAAAAAADgPwAAAAAAAOA/AAAAAAAA4D8AAAAAAADgPwAAAAAAAOA/AAAAAAAA4D8CAAAAjAAAAAAAAAAAAAAARHLEDP///wgAAAAAAAAAAAAAAAAAAAAAAAAAAAAAAAAAAAAAZAAAAAEAAABAAAAAAAAAAAAAAAAAAAAAAAAAAAAAAAAAAAAAAAAAAAAAAAAAAAAAAAAAAAAAAAAAAAAAAAAAAAAAAAAAAAAAAAAAAAAAAAAAAAAAAAAAAAAAAAAAAAAAFAAAADwAAAAAAAAAAAAAAAAAAAkUAAAAAQAAABQAAAAUAAAAFAAAAAEAAAAAAAAAZAAAAGQAAAAAAAAAZAAAAGQAAAAVAAAAYAAAAAAAAAAAAAAADwAAACADAAAAAAAAAAAAAAEAAACgMgAAVgcAAKr4//8BAAAAf39/AAEAAABkAAAAAAAAABQAAABAHwAAAAAAACYAAAAAAAAAwOD//wAAAAAmAAAAZAAAABYAAABMAAAAAAAAAAAAAAAEAAAAAAAAAAEAAADn5uYKAAAAACgAAAAoAAAAZAAAAGQAAAAAAAAAzMzMAAAAAABQAAAAUAAAAGQAAABkAAAAAAAAABcAAAAUAAAAAAAAAAAAAAD/fwAA/38AAAAAAAAJAAAABAAAAAAAAAAeAAAAaAAAAAAAAAAAAAAAAAAAAAAAAAAAAAAAECcAABAnAAAAAAAAAAAAAAAAAAAAAAAAAAAAAAAAAAAAAAAAAAAAABQAAAAAAAAAwMD/AAAAAABkAAAAMgAAAAAAAABkAAAAAAAAAH9/fwAKAAAAIgAAABgAAAAAAAAAAAAAAAAAAAAAAAAAAAAAAAAAAAAkAAAAJAAAAAAAAAAHAAAAAAAAAAAAAAAAAAAAAAAAAAAAAAAAAAAAf39/ACUAAABYAAAAAAAAAAAAAAAAAAAAAAAAAAAAAAAAAAAAAAAAAAAAAAAAAAAAAAAAAAAAAAA/AAAAAAAAAKCGAQAAAAAAAAAAAAAAAAAMAAAAAQAAAAAAAAAAAAAAAAAAAB8AAABUAAAAAAAABQAAAAEAAAAAAAAAAAAAAAAAAAAAAAAAAAAAAAAAAAAAAAAAAAAAAAJ/f38AAAAAA8zMzADAwP8Af39/AAAAAAAAAAAAAAAAAAAAAAAAAAAAIQAAABgAAAAUAAAAwAMAAN8JAAB8GQAAihUAABAAAAAmAAAACAAAAD0gAAAAAAAA"/>
               </a:ext>
             </a:extLst>
           </p:cNvSpPr>
@@ -2386,7 +2389,7 @@
             <a:spLocks noGrp="1" noChangeArrowheads="1"/>
             <a:extLst>
               <a:ext uri="smNativeData">
-                <pr:smNativeData xmlns="smNativeData" xmlns:pr="smNativeData" xmlns:p15="http://schemas.microsoft.com/office/powerpoint/2012/main" xmlns:p14="http://schemas.microsoft.com/office/powerpoint/2010/main" xmlns:mc="http://schemas.openxmlformats.org/markup-compatibility/2006" val="SMDATA_15_q5OGZBMAAAAlAAAAZAAAAA0AAAAAAAAAAAAAAAAAAAAAAAAAAAAAAAAAAAAAAAAAAAEAAABQAAAAAAAAAAAA4D8AAAAAAADgPwAAAAAAAOA/AAAAAAAA4D8AAAAAAADgPwAAAAAAAOA/AAAAAAAA4D8AAAAAAADgPwAAAAAAAOA/AAAAAAAA4D8CAAAAjAAAAAAAAAAAAAAARHLEDP///wgAAAAAAAAAAAAAAAAAAAAAAAAAAAAAAAAAAAAAZAAAAAEAAABAAAAAAAAAAAAAAAAAAAAAAAAAAAAAAAAAAAAAAAAAAAAAAAAAAAAAAAAAAAAAAAAAAAAAAAAAAAAAAAAAAAAAAAAAAAAAAAAAAAAAAAAAAAAAAAAAAAAAFAAAADwAAAAAAAAAAAAAAAAAAAkUAAAAAQAAABQAAAAUAAAAFAAAAAEAAAAAAAAAZAAAAGQAAAAAAAAAZAAAAGQAAAAVAAAAYAAAAAAAAAAAAAAADwAAACADAAAAAAAAAAAAAAEAAACgMgAAVgcAAKr4//8BAAAAf39/AAEAAABkAAAAAAAAABQAAABAHwAAAAAAACYAAAAAAAAAwOD//wAAAAAmAAAAZAAAABYAAABMAAAAAAAAAAAAAAAEAAAAAAAAAAEAAADn5uYKAAAAACgAAAAoAAAAZAAAAGQAAAAAAAAAzMzMAAAAAABQAAAAUAAAAGQAAABkAAAAAAAAABcAAAAUAAAAAAAAAAAAAAD/fwAA/38AAAAAAAAJAAAABAAAAGV0AAYeAAAAaAAAAAAAAAAAAAAAAAAAAAAAAAAAAAAAECcAABAnAAAAAAAAAAAAAAAAAAAAAAAAAAAAAAAAAAAAAAAAAAAAABQAAAAAAAAAwMD/AAAAAABkAAAAMgAAAAAAAABkAAAAAAAAAH9/fwAKAAAAIgAAABgAAAAAAAAAAAAAAAAAAAAAAAAAAAAAAAAAAAAkAAAAJAAAAAAAAAAHAAAAAAAAAAAAAAAAAAAAAAAAAAAAAAAAAAAAf39/ACUAAABYAAAAAAAAAAAAAAAAAAAAAAAAAAAAAAAAAAAAAAAAAAAAAAAAAAAAAAAAAAAAAAA/AAAAAAAAAKCGAQAAAAAAAAAAAAAAAAAMAAAAAQAAAAAAAAAAAAAAAAAAAB8AAABUAAAAAAAABQAAAAEAAAAAAAAAAAAAAAAAAAAAAAAAAAAAAAAAAAAAAAAAAAAAAAJ/f38AAAAAA8zMzADAwP8Af39/AAAAAAAAAAAAAAAAAAAAAAAAAAAAIQAAABgAAAAUAAAAkxoAAN8JAABOMAAAihUAABAAAAAmAAAACAAAAD0gAAAAAAAA"/>
+                <pr:smNativeData xmlns:mc="http://schemas.openxmlformats.org/markup-compatibility/2006" xmlns:p14="http://schemas.microsoft.com/office/powerpoint/2010/main" xmlns:p15="http://schemas.microsoft.com/office/powerpoint/2012/main" xmlns:pr="smNativeData" xmlns="smNativeData" val="SMDATA_15_q5OGZBMAAAAlAAAAZAAAAA0AAAAAAAAAAAAAAAAAAAAAAAAAAAAAAAAAAAAAAAAAAAEAAABQAAAAAAAAAAAA4D8AAAAAAADgPwAAAAAAAOA/AAAAAAAA4D8AAAAAAADgPwAAAAAAAOA/AAAAAAAA4D8AAAAAAADgPwAAAAAAAOA/AAAAAAAA4D8CAAAAjAAAAAAAAAAAAAAARHLEDP///wgAAAAAAAAAAAAAAAAAAAAAAAAAAAAAAAAAAAAAZAAAAAEAAABAAAAAAAAAAAAAAAAAAAAAAAAAAAAAAAAAAAAAAAAAAAAAAAAAAAAAAAAAAAAAAAAAAAAAAAAAAAAAAAAAAAAAAAAAAAAAAAAAAAAAAAAAAAAAAAAAAAAAFAAAADwAAAAAAAAAAAAAAAAAAAkUAAAAAQAAABQAAAAUAAAAFAAAAAEAAAAAAAAAZAAAAGQAAAAAAAAAZAAAAGQAAAAVAAAAYAAAAAAAAAAAAAAADwAAACADAAAAAAAAAAAAAAEAAACgMgAAVgcAAKr4//8BAAAAf39/AAEAAABkAAAAAAAAABQAAABAHwAAAAAAACYAAAAAAAAAwOD//wAAAAAmAAAAZAAAABYAAABMAAAAAAAAAAAAAAAEAAAAAAAAAAEAAADn5uYKAAAAACgAAAAoAAAAZAAAAGQAAAAAAAAAzMzMAAAAAABQAAAAUAAAAGQAAABkAAAAAAAAABcAAAAUAAAAAAAAAAAAAAD/fwAA/38AAAAAAAAJAAAABAAAAGV0AAYeAAAAaAAAAAAAAAAAAAAAAAAAAAAAAAAAAAAAECcAABAnAAAAAAAAAAAAAAAAAAAAAAAAAAAAAAAAAAAAAAAAAAAAABQAAAAAAAAAwMD/AAAAAABkAAAAMgAAAAAAAABkAAAAAAAAAH9/fwAKAAAAIgAAABgAAAAAAAAAAAAAAAAAAAAAAAAAAAAAAAAAAAAkAAAAJAAAAAAAAAAHAAAAAAAAAAAAAAAAAAAAAAAAAAAAAAAAAAAAf39/ACUAAABYAAAAAAAAAAAAAAAAAAAAAAAAAAAAAAAAAAAAAAAAAAAAAAAAAAAAAAAAAAAAAAA/AAAAAAAAAKCGAQAAAAAAAAAAAAAAAAAMAAAAAQAAAAAAAAAAAAAAAAAAAB8AAABUAAAAAAAABQAAAAEAAAAAAAAAAAAAAAAAAAAAAAAAAAAAAAAAAAAAAAAAAAAAAAJ/f38AAAAAA8zMzADAwP8Af39/AAAAAAAAAAAAAAAAAAAAAAAAAAAAIQAAABgAAAAUAAAAkxoAAN8JAABOMAAAihUAABAAAAAmAAAACAAAAD0gAAAAAAAA"/>
               </a:ext>
             </a:extLst>
           </p:cNvSpPr>
@@ -2422,7 +2425,7 @@
             <a:spLocks noGrp="1" noChangeArrowheads="1"/>
             <a:extLst>
               <a:ext uri="smNativeData">
-                <pr:smNativeData xmlns="smNativeData" xmlns:pr="smNativeData" xmlns:p15="http://schemas.microsoft.com/office/powerpoint/2012/main" xmlns:p14="http://schemas.microsoft.com/office/powerpoint/2010/main" xmlns:mc="http://schemas.openxmlformats.org/markup-compatibility/2006" val="SMDATA_15_q5OGZBMAAAAlAAAAZAAAAA0AAAAAAAAAAAAAAAAAAAAAAAAAAAAAAAAAAAAAAAAAAAEAAABQAAAAAAAAAAAA4D8AAAAAAADgPwAAAAAAAOA/AAAAAAAA4D8AAAAAAADgPwAAAAAAAOA/AAAAAAAA4D8AAAAAAADgPwAAAAAAAOA/AAAAAAAA4D8CAAAAjAAAAAAAAAAAAAAARHLEDP///wgAAAAAAAAAAAAAAAAAAAAAAAAAAAAAAAAAAAAAZAAAAAEAAABAAAAAAAAAAAAAAAAAAAAAAAAAAAAAAAAAAAAAAAAAAAAAAAAAAAAAAAAAAAAAAAAAAAAAAAAAAAAAAAAAAAAAAAAAAAAAAAAAAAAAAAAAAAAAAAAAAAAAFAAAADwAAAAAAAAAAAAAAAAAAAkUAAAAAQAAABQAAAAUAAAAFAAAAAEAAAAAAAAAZAAAAGQAAAAAAAAAZAAAAGQAAAAVAAAAYAAAAAAAAAAAAAAADwAAACADAAAAAAAAAAAAAAEAAACgMgAAVgcAAKr4//8BAAAAf39/AAEAAABkAAAAAAAAABQAAABAHwAAAAAAACYAAAAAAAAAwOD//wAAAAAmAAAAZAAAABYAAABMAAAAAAAAAAAAAAAEAAAAAAAAAAEAAADn5uYKAAAAACgAAAAoAAAAZAAAAGQAAAAAAAAAzMzMAAAAAABQAAAAUAAAAGQAAABkAAAAAAAAABcAAAAUAAAAAAAAAAAAAAD/fwAA/38AAAAAAAAJAAAABAAAAAAAAAAeAAAAaAAAAAAAAAAAAAAAAAAAAAAAAAAAAAAAECcAABAnAAAAAAAAAAAAAAAAAAAAAAAAAAAAAAAAAAAAAAAAAAAAABQAAAAAAAAAwMD/AAAAAABkAAAAMgAAAAAAAABkAAAAAAAAAH9/fwAKAAAAIgAAABgAAAAAAAAAAAAAAAAAAAAAAAAAAAAAAAAAAAAkAAAAJAAAAAAAAAAHAAAAAAAAAAAAAAAAAAAAAAAAAAAAAAAAAAAAf39/ACUAAABYAAAAAAAAAAAAAAAAAAAAAAAAAAAAAAAAAAAAAAAAAAAAAAAAAAAAAAAAAAAAAAA/AAAAAAAAAKCGAQAAAAAAAAAAAAAAAAAMAAAAAQAAAAAAAAAAAAAAAAAAAB8AAABUAAAAAAAABQAAAAEAAAAAAAAAAAAAAAAAAAAAAAAAAAAAAAAAAAAAAAAAAAAAAAJ/f38AAAAAA8zMzADAwP8Af39/AAAAAAAAAAAAAAAAAAAAAAAAAAAAIQAAABgAAAAUAAAAZTEAAN8JAAAhRwAAihUAABAAAAAmAAAACAAAAD0gAAAAAAAA"/>
+                <pr:smNativeData xmlns:mc="http://schemas.openxmlformats.org/markup-compatibility/2006" xmlns:p14="http://schemas.microsoft.com/office/powerpoint/2010/main" xmlns:p15="http://schemas.microsoft.com/office/powerpoint/2012/main" xmlns:pr="smNativeData" xmlns="smNativeData" val="SMDATA_15_q5OGZBMAAAAlAAAAZAAAAA0AAAAAAAAAAAAAAAAAAAAAAAAAAAAAAAAAAAAAAAAAAAEAAABQAAAAAAAAAAAA4D8AAAAAAADgPwAAAAAAAOA/AAAAAAAA4D8AAAAAAADgPwAAAAAAAOA/AAAAAAAA4D8AAAAAAADgPwAAAAAAAOA/AAAAAAAA4D8CAAAAjAAAAAAAAAAAAAAARHLEDP///wgAAAAAAAAAAAAAAAAAAAAAAAAAAAAAAAAAAAAAZAAAAAEAAABAAAAAAAAAAAAAAAAAAAAAAAAAAAAAAAAAAAAAAAAAAAAAAAAAAAAAAAAAAAAAAAAAAAAAAAAAAAAAAAAAAAAAAAAAAAAAAAAAAAAAAAAAAAAAAAAAAAAAFAAAADwAAAAAAAAAAAAAAAAAAAkUAAAAAQAAABQAAAAUAAAAFAAAAAEAAAAAAAAAZAAAAGQAAAAAAAAAZAAAAGQAAAAVAAAAYAAAAAAAAAAAAAAADwAAACADAAAAAAAAAAAAAAEAAACgMgAAVgcAAKr4//8BAAAAf39/AAEAAABkAAAAAAAAABQAAABAHwAAAAAAACYAAAAAAAAAwOD//wAAAAAmAAAAZAAAABYAAABMAAAAAAAAAAAAAAAEAAAAAAAAAAEAAADn5uYKAAAAACgAAAAoAAAAZAAAAGQAAAAAAAAAzMzMAAAAAABQAAAAUAAAAGQAAABkAAAAAAAAABcAAAAUAAAAAAAAAAAAAAD/fwAA/38AAAAAAAAJAAAABAAAAAAAAAAeAAAAaAAAAAAAAAAAAAAAAAAAAAAAAAAAAAAAECcAABAnAAAAAAAAAAAAAAAAAAAAAAAAAAAAAAAAAAAAAAAAAAAAABQAAAAAAAAAwMD/AAAAAABkAAAAMgAAAAAAAABkAAAAAAAAAH9/fwAKAAAAIgAAABgAAAAAAAAAAAAAAAAAAAAAAAAAAAAAAAAAAAAkAAAAJAAAAAAAAAAHAAAAAAAAAAAAAAAAAAAAAAAAAAAAAAAAAAAAf39/ACUAAABYAAAAAAAAAAAAAAAAAAAAAAAAAAAAAAAAAAAAAAAAAAAAAAAAAAAAAAAAAAAAAAA/AAAAAAAAAKCGAQAAAAAAAAAAAAAAAAAMAAAAAQAAAAAAAAAAAAAAAAAAAB8AAABUAAAAAAAABQAAAAEAAAAAAAAAAAAAAAAAAAAAAAAAAAAAAAAAAAAAAAAAAAAAAAJ/f38AAAAAA8zMzADAwP8Af39/AAAAAAAAAAAAAAAAAAAAAAAAAAAAIQAAABgAAAAUAAAAZTEAAN8JAAAhRwAAihUAABAAAAAmAAAACAAAAD0gAAAAAAAA"/>
               </a:ext>
             </a:extLst>
           </p:cNvSpPr>
@@ -2458,7 +2461,7 @@
             <a:spLocks noGrp="1" noChangeArrowheads="1"/>
             <a:extLst>
               <a:ext uri="smNativeData">
-                <pr:smNativeData xmlns="smNativeData" xmlns:pr="smNativeData" xmlns:p15="http://schemas.microsoft.com/office/powerpoint/2012/main" xmlns:p14="http://schemas.microsoft.com/office/powerpoint/2010/main" xmlns:mc="http://schemas.openxmlformats.org/markup-compatibility/2006" val="SMDATA_15_q5OGZBMAAAAlAAAAZAAAAA0AAAAAAAAAAAAAAAAAAAAAAAAAAAAAAAAAAAAAAAAAAAEAAABQAAAAAAAAAAAA4D8AAAAAAADgPwAAAAAAAOA/AAAAAAAA4D8AAAAAAADgPwAAAAAAAOA/AAAAAAAA4D8AAAAAAADgPwAAAAAAAOA/AAAAAAAA4D8CAAAAjAAAAAAAAAAAAAAARHLEDP///wgAAAAAAAAAAAAAAAAAAAAAAAAAAAAAAAAAAAAAZAAAAAEAAABAAAAAAAAAAAAAAAAAAAAAAAAAAAAAAAAAAAAAAAAAAAAAAAAAAAAAAAAAAAAAAAAAAAAAAAAAAAAAAAAAAAAAAAAAAAAAAAAAAAAAAAAAAAAAAAAAAAAAFAAAADwAAAAAAAAAAAAAAAAAAAkUAAAAAQAAABQAAAAUAAAAFAAAAAEAAAAAAAAAZAAAAGQAAAAAAAAAZAAAAGQAAAAVAAAAYAAAAAAAAAAAAAAADwAAACADAAAAAAAAAAAAAAEAAACgMgAAVgcAAKr4//8BAAAAf39/AAEAAABkAAAAAAAAABQAAABAHwAAAAAAACYAAAAAAAAAwOD//wAAAAAmAAAAZAAAABYAAABMAAAAAAAAAAAAAAAEAAAAAAAAAAEAAADn5uYKAAAAACgAAAAoAAAAZAAAAGQAAAAAAAAAzMzMAAAAAABQAAAAUAAAAGQAAABkAAAAAAAAABcAAAAUAAAAAAAAAAAAAAD/fwAA/38AAAAAAAAJAAAABAAAAAjKcwAeAAAAaAAAAAAAAAAAAAAAAAAAAAAAAAAAAAAAECcAABAnAAAAAAAAAAAAAAAAAAAAAAAAAAAAAAAAAAAAAAAAAAAAABQAAAAAAAAAwMD/AAAAAABkAAAAMgAAAAAAAABkAAAAAAAAAH9/fwAKAAAAIgAAABgAAAAAAAAAAAAAAAAAAAAAAAAAAAAAAAAAAAAkAAAAJAAAAAAAAAAHAAAAAAAAAAAAAAAAAAAAAAAAAAAAAAAAAAAAf39/ACUAAABYAAAAAAAAAAAAAAAAAAAAAAAAAAAAAAAAAAAAAAAAAAAAAAAAAAAAAAAAAAAAAAA/AAAAAAAAAKCGAQAAAAAAAAAAAAAAAAAMAAAAAQAAAAAAAAAAAAAAAAAAAB8AAABUAAAAAAAABQAAAAEAAAAAAAAAAAAAAAAAAAAAAAAAAAAAAAAAAAAAAAAAAAAAAAJ/f38AAAAAA8zMzADAwP8Af39/AAAAAAAAAAAAAAAAAAAAAAAAAAAAIQAAABgAAAAUAAAAwAMAAKcWAAB8GQAAUiIAABAAAAAmAAAACAAAAD0gAAAAAAAA"/>
+                <pr:smNativeData xmlns:mc="http://schemas.openxmlformats.org/markup-compatibility/2006" xmlns:p14="http://schemas.microsoft.com/office/powerpoint/2010/main" xmlns:p15="http://schemas.microsoft.com/office/powerpoint/2012/main" xmlns:pr="smNativeData" xmlns="smNativeData" val="SMDATA_15_q5OGZBMAAAAlAAAAZAAAAA0AAAAAAAAAAAAAAAAAAAAAAAAAAAAAAAAAAAAAAAAAAAEAAABQAAAAAAAAAAAA4D8AAAAAAADgPwAAAAAAAOA/AAAAAAAA4D8AAAAAAADgPwAAAAAAAOA/AAAAAAAA4D8AAAAAAADgPwAAAAAAAOA/AAAAAAAA4D8CAAAAjAAAAAAAAAAAAAAARHLEDP///wgAAAAAAAAAAAAAAAAAAAAAAAAAAAAAAAAAAAAAZAAAAAEAAABAAAAAAAAAAAAAAAAAAAAAAAAAAAAAAAAAAAAAAAAAAAAAAAAAAAAAAAAAAAAAAAAAAAAAAAAAAAAAAAAAAAAAAAAAAAAAAAAAAAAAAAAAAAAAAAAAAAAAFAAAADwAAAAAAAAAAAAAAAAAAAkUAAAAAQAAABQAAAAUAAAAFAAAAAEAAAAAAAAAZAAAAGQAAAAAAAAAZAAAAGQAAAAVAAAAYAAAAAAAAAAAAAAADwAAACADAAAAAAAAAAAAAAEAAACgMgAAVgcAAKr4//8BAAAAf39/AAEAAABkAAAAAAAAABQAAABAHwAAAAAAACYAAAAAAAAAwOD//wAAAAAmAAAAZAAAABYAAABMAAAAAAAAAAAAAAAEAAAAAAAAAAEAAADn5uYKAAAAACgAAAAoAAAAZAAAAGQAAAAAAAAAzMzMAAAAAABQAAAAUAAAAGQAAABkAAAAAAAAABcAAAAUAAAAAAAAAAAAAAD/fwAA/38AAAAAAAAJAAAABAAAAAjKcwAeAAAAaAAAAAAAAAAAAAAAAAAAAAAAAAAAAAAAECcAABAnAAAAAAAAAAAAAAAAAAAAAAAAAAAAAAAAAAAAAAAAAAAAABQAAAAAAAAAwMD/AAAAAABkAAAAMgAAAAAAAABkAAAAAAAAAH9/fwAKAAAAIgAAABgAAAAAAAAAAAAAAAAAAAAAAAAAAAAAAAAAAAAkAAAAJAAAAAAAAAAHAAAAAAAAAAAAAAAAAAAAAAAAAAAAAAAAAAAAf39/ACUAAABYAAAAAAAAAAAAAAAAAAAAAAAAAAAAAAAAAAAAAAAAAAAAAAAAAAAAAAAAAAAAAAA/AAAAAAAAAKCGAQAAAAAAAAAAAAAAAAAMAAAAAQAAAAAAAAAAAAAAAAAAAB8AAABUAAAAAAAABQAAAAEAAAAAAAAAAAAAAAAAAAAAAAAAAAAAAAAAAAAAAAAAAAAAAAJ/f38AAAAAA8zMzADAwP8Af39/AAAAAAAAAAAAAAAAAAAAAAAAAAAAIQAAABgAAAAUAAAAwAMAAKcWAAB8GQAAUiIAABAAAAAmAAAACAAAAD0gAAAAAAAA"/>
               </a:ext>
             </a:extLst>
           </p:cNvSpPr>
@@ -2494,7 +2497,7 @@
             <a:spLocks noGrp="1" noChangeArrowheads="1"/>
             <a:extLst>
               <a:ext uri="smNativeData">
-                <pr:smNativeData xmlns="smNativeData" xmlns:pr="smNativeData" xmlns:p15="http://schemas.microsoft.com/office/powerpoint/2012/main" xmlns:p14="http://schemas.microsoft.com/office/powerpoint/2010/main" xmlns:mc="http://schemas.openxmlformats.org/markup-compatibility/2006" val="SMDATA_15_q5OGZBMAAAAlAAAAZAAAAA0AAAAAAAAAAAAAAAAAAAAAAAAAAAAAAAAAAAAAAAAAAAEAAABQAAAAAAAAAAAA4D8AAAAAAADgPwAAAAAAAOA/AAAAAAAA4D8AAAAAAADgPwAAAAAAAOA/AAAAAAAA4D8AAAAAAADgPwAAAAAAAOA/AAAAAAAA4D8CAAAAjAAAAAAAAAAAAAAARHLEDP///wgAAAAAAAAAAAAAAAAAAAAAAAAAAAAAAAAAAAAAZAAAAAEAAABAAAAAAAAAAAAAAAAAAAAAAAAAAAAAAAAAAAAAAAAAAAAAAAAAAAAAAAAAAAAAAAAAAAAAAAAAAAAAAAAAAAAAAAAAAAAAAAAAAAAAAAAAAAAAAAAAAAAAFAAAADwAAAAAAAAAAAAAAAAAAAkUAAAAAQAAABQAAAAUAAAAFAAAAAEAAAAAAAAAZAAAAGQAAAAAAAAAZAAAAGQAAAAVAAAAYAAAAAAAAAAAAAAADwAAACADAAAAAAAAAAAAAAEAAACgMgAAVgcAAKr4//8BAAAAf39/AAEAAABkAAAAAAAAABQAAABAHwAAAAAAACYAAAAAAAAAwOD//wAAAAAmAAAAZAAAABYAAABMAAAAAAAAAAAAAAAEAAAAAAAAAAEAAADn5uYKAAAAACgAAAAoAAAAZAAAAGQAAAAAAAAAzMzMAAAAAABQAAAAUAAAAGQAAABkAAAAAAAAABcAAAAUAAAAAAAAAAAAAAD/fwAA/38AAAAAAAAJAAAABAAAAJQC9HUeAAAAaAAAAAAAAAAAAAAAAAAAAAAAAAAAAAAAECcAABAnAAAAAAAAAAAAAAAAAAAAAAAAAAAAAAAAAAAAAAAAAAAAABQAAAAAAAAAwMD/AAAAAABkAAAAMgAAAAAAAABkAAAAAAAAAH9/fwAKAAAAIgAAABgAAAAAAAAAAAAAAAAAAAAAAAAAAAAAAAAAAAAkAAAAJAAAAAAAAAAHAAAAAAAAAAAAAAAAAAAAAAAAAAAAAAAAAAAAf39/ACUAAABYAAAAAAAAAAAAAAAAAAAAAAAAAAAAAAAAAAAAAAAAAAAAAAAAAAAAAAAAAAAAAAA/AAAAAAAAAKCGAQAAAAAAAAAAAAAAAAAMAAAAAQAAAAAAAAAAAAAAAAAAAB8AAABUAAAAAAAABQAAAAEAAAAAAAAAAAAAAAAAAAAAAAAAAAAAAAAAAAAAAAAAAAAAAAJ/f38AAAAAA8zMzADAwP8Af39/AAAAAAAAAAAAAAAAAAAAAAAAAAAAIQAAABgAAAAUAAAAkxoAAKcWAABOMAAAUiIAABAAAAAmAAAACAAAAD0gAAAAAAAA"/>
+                <pr:smNativeData xmlns:mc="http://schemas.openxmlformats.org/markup-compatibility/2006" xmlns:p14="http://schemas.microsoft.com/office/powerpoint/2010/main" xmlns:p15="http://schemas.microsoft.com/office/powerpoint/2012/main" xmlns:pr="smNativeData" xmlns="smNativeData" val="SMDATA_15_q5OGZBMAAAAlAAAAZAAAAA0AAAAAAAAAAAAAAAAAAAAAAAAAAAAAAAAAAAAAAAAAAAEAAABQAAAAAAAAAAAA4D8AAAAAAADgPwAAAAAAAOA/AAAAAAAA4D8AAAAAAADgPwAAAAAAAOA/AAAAAAAA4D8AAAAAAADgPwAAAAAAAOA/AAAAAAAA4D8CAAAAjAAAAAAAAAAAAAAARHLEDP///wgAAAAAAAAAAAAAAAAAAAAAAAAAAAAAAAAAAAAAZAAAAAEAAABAAAAAAAAAAAAAAAAAAAAAAAAAAAAAAAAAAAAAAAAAAAAAAAAAAAAAAAAAAAAAAAAAAAAAAAAAAAAAAAAAAAAAAAAAAAAAAAAAAAAAAAAAAAAAAAAAAAAAFAAAADwAAAAAAAAAAAAAAAAAAAkUAAAAAQAAABQAAAAUAAAAFAAAAAEAAAAAAAAAZAAAAGQAAAAAAAAAZAAAAGQAAAAVAAAAYAAAAAAAAAAAAAAADwAAACADAAAAAAAAAAAAAAEAAACgMgAAVgcAAKr4//8BAAAAf39/AAEAAABkAAAAAAAAABQAAABAHwAAAAAAACYAAAAAAAAAwOD//wAAAAAmAAAAZAAAABYAAABMAAAAAAAAAAAAAAAEAAAAAAAAAAEAAADn5uYKAAAAACgAAAAoAAAAZAAAAGQAAAAAAAAAzMzMAAAAAABQAAAAUAAAAGQAAABkAAAAAAAAABcAAAAUAAAAAAAAAAAAAAD/fwAA/38AAAAAAAAJAAAABAAAAJQC9HUeAAAAaAAAAAAAAAAAAAAAAAAAAAAAAAAAAAAAECcAABAnAAAAAAAAAAAAAAAAAAAAAAAAAAAAAAAAAAAAAAAAAAAAABQAAAAAAAAAwMD/AAAAAABkAAAAMgAAAAAAAABkAAAAAAAAAH9/fwAKAAAAIgAAABgAAAAAAAAAAAAAAAAAAAAAAAAAAAAAAAAAAAAkAAAAJAAAAAAAAAAHAAAAAAAAAAAAAAAAAAAAAAAAAAAAAAAAAAAAf39/ACUAAABYAAAAAAAAAAAAAAAAAAAAAAAAAAAAAAAAAAAAAAAAAAAAAAAAAAAAAAAAAAAAAAA/AAAAAAAAAKCGAQAAAAAAAAAAAAAAAAAMAAAAAQAAAAAAAAAAAAAAAAAAAB8AAABUAAAAAAAABQAAAAEAAAAAAAAAAAAAAAAAAAAAAAAAAAAAAAAAAAAAAAAAAAAAAAJ/f38AAAAAA8zMzADAwP8Af39/AAAAAAAAAAAAAAAAAAAAAAAAAAAAIQAAABgAAAAUAAAAkxoAAKcWAABOMAAAUiIAABAAAAAmAAAACAAAAD0gAAAAAAAA"/>
               </a:ext>
             </a:extLst>
           </p:cNvSpPr>
@@ -2530,7 +2533,7 @@
             <a:spLocks noGrp="1" noChangeArrowheads="1"/>
             <a:extLst>
               <a:ext uri="smNativeData">
-                <pr:smNativeData xmlns="smNativeData" xmlns:pr="smNativeData" xmlns:p15="http://schemas.microsoft.com/office/powerpoint/2012/main" xmlns:p14="http://schemas.microsoft.com/office/powerpoint/2010/main" xmlns:mc="http://schemas.openxmlformats.org/markup-compatibility/2006" val="SMDATA_15_q5OGZBMAAAAlAAAAZAAAAA0AAAAAAAAAAAAAAAAAAAAAAAAAAAAAAAAAAAAAAAAAAAEAAABQAAAAAAAAAAAA4D8AAAAAAADgPwAAAAAAAOA/AAAAAAAA4D8AAAAAAADgPwAAAAAAAOA/AAAAAAAA4D8AAAAAAADgPwAAAAAAAOA/AAAAAAAA4D8CAAAAjAAAAAAAAAAAAAAARHLEDP///wgAAAAAAAAAAAAAAAAAAAAAAAAAAAAAAAAAAAAAZAAAAAEAAABAAAAAAAAAAAAAAAAAAAAAAAAAAAAAAAAAAAAAAAAAAAAAAAAAAAAAAAAAAAAAAAAAAAAAAAAAAAAAAAAAAAAAAAAAAAAAAAAAAAAAAAAAAAAAAAAAAAAAFAAAADwAAAAAAAAAAAAAAAAAAAkUAAAAAQAAABQAAAAUAAAAFAAAAAEAAAAAAAAAZAAAAGQAAAAAAAAAZAAAAGQAAAAVAAAAYAAAAAAAAAAAAAAADwAAACADAAAAAAAAAAAAAAEAAACgMgAAVgcAAKr4//8BAAAAf39/AAEAAABkAAAAAAAAABQAAABAHwAAAAAAACYAAAAAAAAAwOD//wAAAAAmAAAAZAAAABYAAABMAAAAAAAAAAAAAAAEAAAAAAAAAAEAAADn5uYKAAAAACgAAAAoAAAAZAAAAGQAAAAAAAAAzMzMAAAAAABQAAAAUAAAAGQAAABkAAAAAAAAABcAAAAUAAAAAAAAAAAAAAD/fwAA/38AAAAAAAAJAAAABAAAAAAAAAAeAAAAaAAAAAAAAAAAAAAAAAAAAAAAAAAAAAAAECcAABAnAAAAAAAAAAAAAAAAAAAAAAAAAAAAAAAAAAAAAAAAAAAAABQAAAAAAAAAwMD/AAAAAABkAAAAMgAAAAAAAABkAAAAAAAAAH9/fwAKAAAAIgAAABgAAAAAAAAAAAAAAAAAAAAAAAAAAAAAAAAAAAAkAAAAJAAAAAAAAAAHAAAAAAAAAAAAAAAAAAAAAAAAAAAAAAAAAAAAf39/ACUAAABYAAAAAAAAAAAAAAAAAAAAAAAAAAAAAAAAAAAAAAAAAAAAAAAAAAAAAAAAAAAAAAA/AAAAAAAAAKCGAQAAAAAAAAAAAAAAAAAMAAAAAQAAAAAAAAAAAAAAAAAAAB8AAABUAAAAAAAABQAAAAEAAAAAAAAAAAAAAAAAAAAAAAAAAAAAAAAAAAAAAAAAAAAAAAJ/f38AAAAAA8zMzADAwP8Af39/AAAAAAAAAAAAAAAAAAAAAAAAAAAAIQAAABgAAAAUAAAAZTEAAKcWAAAhRwAAUiIAABAAAAAmAAAACAAAAD0gAAAAAAAA"/>
+                <pr:smNativeData xmlns:mc="http://schemas.openxmlformats.org/markup-compatibility/2006" xmlns:p14="http://schemas.microsoft.com/office/powerpoint/2010/main" xmlns:p15="http://schemas.microsoft.com/office/powerpoint/2012/main" xmlns:pr="smNativeData" xmlns="smNativeData" val="SMDATA_15_q5OGZBMAAAAlAAAAZAAAAA0AAAAAAAAAAAAAAAAAAAAAAAAAAAAAAAAAAAAAAAAAAAEAAABQAAAAAAAAAAAA4D8AAAAAAADgPwAAAAAAAOA/AAAAAAAA4D8AAAAAAADgPwAAAAAAAOA/AAAAAAAA4D8AAAAAAADgPwAAAAAAAOA/AAAAAAAA4D8CAAAAjAAAAAAAAAAAAAAARHLEDP///wgAAAAAAAAAAAAAAAAAAAAAAAAAAAAAAAAAAAAAZAAAAAEAAABAAAAAAAAAAAAAAAAAAAAAAAAAAAAAAAAAAAAAAAAAAAAAAAAAAAAAAAAAAAAAAAAAAAAAAAAAAAAAAAAAAAAAAAAAAAAAAAAAAAAAAAAAAAAAAAAAAAAAFAAAADwAAAAAAAAAAAAAAAAAAAkUAAAAAQAAABQAAAAUAAAAFAAAAAEAAAAAAAAAZAAAAGQAAAAAAAAAZAAAAGQAAAAVAAAAYAAAAAAAAAAAAAAADwAAACADAAAAAAAAAAAAAAEAAACgMgAAVgcAAKr4//8BAAAAf39/AAEAAABkAAAAAAAAABQAAABAHwAAAAAAACYAAAAAAAAAwOD//wAAAAAmAAAAZAAAABYAAABMAAAAAAAAAAAAAAAEAAAAAAAAAAEAAADn5uYKAAAAACgAAAAoAAAAZAAAAGQAAAAAAAAAzMzMAAAAAABQAAAAUAAAAGQAAABkAAAAAAAAABcAAAAUAAAAAAAAAAAAAAD/fwAA/38AAAAAAAAJAAAABAAAAAAAAAAeAAAAaAAAAAAAAAAAAAAAAAAAAAAAAAAAAAAAECcAABAnAAAAAAAAAAAAAAAAAAAAAAAAAAAAAAAAAAAAAAAAAAAAABQAAAAAAAAAwMD/AAAAAABkAAAAMgAAAAAAAABkAAAAAAAAAH9/fwAKAAAAIgAAABgAAAAAAAAAAAAAAAAAAAAAAAAAAAAAAAAAAAAkAAAAJAAAAAAAAAAHAAAAAAAAAAAAAAAAAAAAAAAAAAAAAAAAAAAAf39/ACUAAABYAAAAAAAAAAAAAAAAAAAAAAAAAAAAAAAAAAAAAAAAAAAAAAAAAAAAAAAAAAAAAAA/AAAAAAAAAKCGAQAAAAAAAAAAAAAAAAAMAAAAAQAAAAAAAAAAAAAAAAAAAB8AAABUAAAAAAAABQAAAAEAAAAAAAAAAAAAAAAAAAAAAAAAAAAAAAAAAAAAAAAAAAAAAAJ/f38AAAAAA8zMzADAwP8Af39/AAAAAAAAAAAAAAAAAAAAAAAAAAAAIQAAABgAAAAUAAAAZTEAAKcWAAAhRwAAUiIAABAAAAAmAAAACAAAAD0gAAAAAAAA"/>
               </a:ext>
             </a:extLst>
           </p:cNvSpPr>
@@ -2616,7 +2619,7 @@
             <a:spLocks noGrp="1" noChangeArrowheads="1"/>
             <a:extLst>
               <a:ext uri="smNativeData">
-                <pr:smNativeData xmlns="smNativeData" xmlns:pr="smNativeData" xmlns:p15="http://schemas.microsoft.com/office/powerpoint/2012/main" xmlns:p14="http://schemas.microsoft.com/office/powerpoint/2010/main" xmlns:mc="http://schemas.openxmlformats.org/markup-compatibility/2006" val="SMDATA_15_q5OGZBMAAAAlAAAAZAAAAA0AAAAAAAAAAAAAAAAAAAAAAAAAAAAAAAABAAAAAAAAAAEAAABQAAAAAAAAAAAA4D8AAAAAAADgPwAAAAAAAOA/AAAAAAAA4D8AAAAAAADgPwAAAAAAAOA/AAAAAAAA4D8AAAAAAADgPwAAAAAAAOA/AAAAAAAA4D8CAAAAjAAAAAAAAAAAAAAARHLEDP///wgAAAAAAAAAAAAAAAAAAAAAAAAAAAAAAAAAAAAAZAAAAAEAAABAAAAAAAAAAAAAAAAAAAAAAAAAAAAAAAAAAAAAAAAAAAAAAAAAAAAAAAAAAAAAAAAAAAAAAAAAAAAAAAAAAAAAAAAAAAAAAAAAAAAAAAAAAAAAAAAAAAAAFAAAADwAAAAAAAAAAAAAAAAAAAkUAAAAAQAAABQAAAAUAAAAFAAAAAEAAAAAAAAAZAAAAGQAAAAAAAAAZAAAAGQAAAAVAAAAYAAAAAAAAAAAAAAADwAAACADAAAAAAAAAAAAAAEAAACgMgAAVgcAAKr4//8BAAAAf39/AAEAAABkAAAAAAAAABQAAABAHwAAAAAAACYAAAAAAAAAwOD//wAAAAAmAAAAZAAAABYAAABMAAAAAAAAAAAAAAAEAAAAAAAAAAEAAADn5uYKAAAAACgAAAAoAAAAZAAAAGQAAAAAAAAAzMzMAAAAAABQAAAAUAAAAGQAAABkAAAAAAAAABcAAAAUAAAAAAAAAAAAAAD/fwAA/38AAAAAAAAJAAAABAAAAOtQyQseAAAAaAAAAAAAAAAAAAAAAAAAAAAAAAAAAAAAECcAABAnAAAAAAAAAAAAAAAAAAAAAAAAAAAAAAAAAAAAAAAAAAAAABQAAAAAAAAAwMD/AAAAAABkAAAAMgAAAAAAAABkAAAAAAAAAH9/fwAKAAAAIgAAABgAAAAAAAAAAAAAAAAAAAAAAAAAAAAAAAAAAAAkAAAAJAAAAAAAAAAHAAAAAAAAAAAAAAAAAAAAAAAAAAAAAAAAAAAAf39/ACUAAABYAAAAAAAAAAAAAAAAAAAAAAAAAAAAAAAAAAAAAAAAAAAAAAAAAAAAAAAAAAAAAAA/AAAAAAAAAKCGAQAAAAAAAAAAAAAAAAAMAAAAAQAAAAAAAAAAAAAAAAAAAB8AAABUAAAAAAAABQAAAAEAAAAAAAAAAAAAAAAAAAAAAAAAAAAAAAAAAAAAAAAAAAAAAAJ/f38AAAAAA8zMzADAwP8Af39/AAAAAAAAAAAAAAAAAAAAAAAAAAAAIQAAABgAAAAUAAAAwAMAAK8BAAA/RwAAuggAABAAAAAmAAAACAAAADwgAAAAAAAA"/>
+                <pr:smNativeData xmlns:mc="http://schemas.openxmlformats.org/markup-compatibility/2006" xmlns:p14="http://schemas.microsoft.com/office/powerpoint/2010/main" xmlns:p15="http://schemas.microsoft.com/office/powerpoint/2012/main" xmlns:pr="smNativeData" xmlns="smNativeData" val="SMDATA_15_q5OGZBMAAAAlAAAAZAAAAA0AAAAAAAAAAAAAAAAAAAAAAAAAAAAAAAABAAAAAAAAAAEAAABQAAAAAAAAAAAA4D8AAAAAAADgPwAAAAAAAOA/AAAAAAAA4D8AAAAAAADgPwAAAAAAAOA/AAAAAAAA4D8AAAAAAADgPwAAAAAAAOA/AAAAAAAA4D8CAAAAjAAAAAAAAAAAAAAARHLEDP///wgAAAAAAAAAAAAAAAAAAAAAAAAAAAAAAAAAAAAAZAAAAAEAAABAAAAAAAAAAAAAAAAAAAAAAAAAAAAAAAAAAAAAAAAAAAAAAAAAAAAAAAAAAAAAAAAAAAAAAAAAAAAAAAAAAAAAAAAAAAAAAAAAAAAAAAAAAAAAAAAAAAAAFAAAADwAAAAAAAAAAAAAAAAAAAkUAAAAAQAAABQAAAAUAAAAFAAAAAEAAAAAAAAAZAAAAGQAAAAAAAAAZAAAAGQAAAAVAAAAYAAAAAAAAAAAAAAADwAAACADAAAAAAAAAAAAAAEAAACgMgAAVgcAAKr4//8BAAAAf39/AAEAAABkAAAAAAAAABQAAABAHwAAAAAAACYAAAAAAAAAwOD//wAAAAAmAAAAZAAAABYAAABMAAAAAAAAAAAAAAAEAAAAAAAAAAEAAADn5uYKAAAAACgAAAAoAAAAZAAAAGQAAAAAAAAAzMzMAAAAAABQAAAAUAAAAGQAAABkAAAAAAAAABcAAAAUAAAAAAAAAAAAAAD/fwAA/38AAAAAAAAJAAAABAAAAOtQyQseAAAAaAAAAAAAAAAAAAAAAAAAAAAAAAAAAAAAECcAABAnAAAAAAAAAAAAAAAAAAAAAAAAAAAAAAAAAAAAAAAAAAAAABQAAAAAAAAAwMD/AAAAAABkAAAAMgAAAAAAAABkAAAAAAAAAH9/fwAKAAAAIgAAABgAAAAAAAAAAAAAAAAAAAAAAAAAAAAAAAAAAAAkAAAAJAAAAAAAAAAHAAAAAAAAAAAAAAAAAAAAAAAAAAAAAAAAAAAAf39/ACUAAABYAAAAAAAAAAAAAAAAAAAAAAAAAAAAAAAAAAAAAAAAAAAAAAAAAAAAAAAAAAAAAAA/AAAAAAAAAKCGAQAAAAAAAAAAAAAAAAAMAAAAAQAAAAAAAAAAAAAAAAAAAB8AAABUAAAAAAAABQAAAAEAAAAAAAAAAAAAAAAAAAAAAAAAAAAAAAAAAAAAAAAAAAAAAAJ/f38AAAAAA8zMzADAwP8Af39/AAAAAAAAAAAAAAAAAAAAAAAAAAAAIQAAABgAAAAUAAAAwAMAAK8BAAA/RwAAuggAABAAAAAmAAAACAAAADwgAAAAAAAA"/>
               </a:ext>
             </a:extLst>
           </p:cNvSpPr>
@@ -2647,7 +2650,7 @@
             <a:spLocks noGrp="1" noChangeArrowheads="1"/>
             <a:extLst>
               <a:ext uri="smNativeData">
-                <pr:smNativeData xmlns="smNativeData" xmlns:pr="smNativeData" xmlns:p15="http://schemas.microsoft.com/office/powerpoint/2012/main" xmlns:p14="http://schemas.microsoft.com/office/powerpoint/2010/main" xmlns:mc="http://schemas.openxmlformats.org/markup-compatibility/2006" val="SMDATA_15_q5OGZBMAAAAlAAAAZAAAAA0AAAAAAAAAAAAAAAAAAAAAAAAAAAAAAAABAAAAAAAAAAEAAABQAAAAAAAAAAAA4D8AAAAAAADgPwAAAAAAAOA/AAAAAAAA4D8AAAAAAADgPwAAAAAAAOA/AAAAAAAA4D8AAAAAAADgPwAAAAAAAOA/AAAAAAAA4D8CAAAAjAAAAAAAAAAAAAAARHLEDP///wgAAAAAAAAAAAAAAAAAAAAAAAAAAAAAAAAAAAAAZAAAAAEAAABAAAAAAAAAAAAAAAAAAAAAAAAAAAAAAAAAAAAAAAAAAAAAAAAAAAAAAAAAAAAAAAAAAAAAAAAAAAAAAAAAAAAAAAAAAAAAAAAAAAAAAAAAAAAAAAAAAAAAFAAAADwAAAAAAAAAAAAAAAAAAAkUAAAAAQAAABQAAAAUAAAAFAAAAAEAAAAAAAAAZAAAAGQAAAAAAAAAZAAAAGQAAAAVAAAAYAAAAAAAAAAAAAAADwAAACADAAAAAAAAAAAAAAEAAACgMgAAVgcAAKr4//8BAAAAf39/AAEAAABkAAAAAAAAABQAAABAHwAAAAAAACYAAAAAAAAAwOD//wAAAAAmAAAAZAAAABYAAABMAAAAAAAAAAAAAAAEAAAAAAAAAAEAAADn5uYKAAAAACgAAAAoAAAAZAAAAGQAAAAAAAAAzMzMAAAAAABQAAAAUAAAAGQAAABkAAAAAAAAABcAAAAUAAAAAAAAAAAAAAD/fwAA/38AAAAAAAAJAAAABAAAABIAAAAeAAAAaAAAAAAAAAAAAAAAAAAAAAAAAAAAAAAAECcAABAnAAAAAAAAAAAAAAAAAAAAAAAAAAAAAAAAAAAAAAAAAAAAABQAAAAAAAAAwMD/AAAAAABkAAAAMgAAAAAAAABkAAAAAAAAAH9/fwAKAAAAIgAAABgAAAAAAAAAAAAAAAAAAAAAAAAAAAAAAAAAAAAkAAAAJAAAAAAAAAAHAAAAAAAAAAAAAAAAAAAAAAAAAAAAAAAAAAAAf39/ACUAAABYAAAAAAAAAAAAAAAAAAAAAAAAAAAAAAAAAAAAAAAAAAAAAAAAAAAAAAAAAAAAAAA/AAAAAAAAAKCGAQAAAAAAAAAAAAAAAAAMAAAAAQAAAAAAAAAAAAAAAAAAAB8AAABUAAAAAAAABQAAAAEAAAAAAAAAAAAAAAAAAAAAAAAAAAAAAAAAAAAAAAAAAAAAAAJ/f38AAAAAA8zMzADAwP8Af39/AAAAAAAAAAAAAAAAAAAAAAAAAAAAIQAAABgAAAAUAAAAwAMAAN8JAAA/RwAAViIAABAAAAAmAAAACAAAALwgAAAAAAAA"/>
+                <pr:smNativeData xmlns:mc="http://schemas.openxmlformats.org/markup-compatibility/2006" xmlns:p14="http://schemas.microsoft.com/office/powerpoint/2010/main" xmlns:p15="http://schemas.microsoft.com/office/powerpoint/2012/main" xmlns:pr="smNativeData" xmlns="smNativeData" val="SMDATA_15_q5OGZBMAAAAlAAAAZAAAAA0AAAAAAAAAAAAAAAAAAAAAAAAAAAAAAAABAAAAAAAAAAEAAABQAAAAAAAAAAAA4D8AAAAAAADgPwAAAAAAAOA/AAAAAAAA4D8AAAAAAADgPwAAAAAAAOA/AAAAAAAA4D8AAAAAAADgPwAAAAAAAOA/AAAAAAAA4D8CAAAAjAAAAAAAAAAAAAAARHLEDP///wgAAAAAAAAAAAAAAAAAAAAAAAAAAAAAAAAAAAAAZAAAAAEAAABAAAAAAAAAAAAAAAAAAAAAAAAAAAAAAAAAAAAAAAAAAAAAAAAAAAAAAAAAAAAAAAAAAAAAAAAAAAAAAAAAAAAAAAAAAAAAAAAAAAAAAAAAAAAAAAAAAAAAFAAAADwAAAAAAAAAAAAAAAAAAAkUAAAAAQAAABQAAAAUAAAAFAAAAAEAAAAAAAAAZAAAAGQAAAAAAAAAZAAAAGQAAAAVAAAAYAAAAAAAAAAAAAAADwAAACADAAAAAAAAAAAAAAEAAACgMgAAVgcAAKr4//8BAAAAf39/AAEAAABkAAAAAAAAABQAAABAHwAAAAAAACYAAAAAAAAAwOD//wAAAAAmAAAAZAAAABYAAABMAAAAAAAAAAAAAAAEAAAAAAAAAAEAAADn5uYKAAAAACgAAAAoAAAAZAAAAGQAAAAAAAAAzMzMAAAAAABQAAAAUAAAAGQAAABkAAAAAAAAABcAAAAUAAAAAAAAAAAAAAD/fwAA/38AAAAAAAAJAAAABAAAABIAAAAeAAAAaAAAAAAAAAAAAAAAAAAAAAAAAAAAAAAAECcAABAnAAAAAAAAAAAAAAAAAAAAAAAAAAAAAAAAAAAAAAAAAAAAABQAAAAAAAAAwMD/AAAAAABkAAAAMgAAAAAAAABkAAAAAAAAAH9/fwAKAAAAIgAAABgAAAAAAAAAAAAAAAAAAAAAAAAAAAAAAAAAAAAkAAAAJAAAAAAAAAAHAAAAAAAAAAAAAAAAAAAAAAAAAAAAAAAAAAAAf39/ACUAAABYAAAAAAAAAAAAAAAAAAAAAAAAAAAAAAAAAAAAAAAAAAAAAAAAAAAAAAAAAAAAAAA/AAAAAAAAAKCGAQAAAAAAAAAAAAAAAAAMAAAAAQAAAAAAAAAAAAAAAAAAAB8AAABUAAAAAAAABQAAAAEAAAAAAAAAAAAAAAAAAAAAAAAAAAAAAAAAAAAAAAAAAAAAAAJ/f38AAAAAA8zMzADAwP8Af39/AAAAAAAAAAAAAAAAAAAAAAAAAAAAIQAAABgAAAAUAAAAwAMAAN8JAAA/RwAAViIAABAAAAAmAAAACAAAALwgAAAAAAAA"/>
               </a:ext>
             </a:extLst>
           </p:cNvSpPr>
@@ -2703,7 +2706,7 @@
             <a:spLocks noGrp="1" noChangeArrowheads="1"/>
             <a:extLst>
               <a:ext uri="smNativeData">
-                <pr:smNativeData xmlns="smNativeData" xmlns:pr="smNativeData" xmlns:p15="http://schemas.microsoft.com/office/powerpoint/2012/main" xmlns:p14="http://schemas.microsoft.com/office/powerpoint/2010/main" xmlns:mc="http://schemas.openxmlformats.org/markup-compatibility/2006" val="SMDATA_15_q5OGZBMAAAAlAAAAZAAAAA0AAAAAAAAAAAAAAAAAAAAAAAAAAAAAAAABAAAAAAAAAAEAAABQAAAAAAAAAAAA4D8AAAAAAADgPwAAAAAAAOA/AAAAAAAA4D8AAAAAAADgPwAAAAAAAOA/AAAAAAAA4D8AAAAAAADgPwAAAAAAAOA/AAAAAAAA4D8CAAAAjAAAAAAAAAAAAAAARHLEDP///wgAAAAAAAAAAAAAAAAAAAAAAAAAAAAAAAAAAAAAZAAAAAEAAABAAAAAAAAAAAAAAAAAAAAAAAAAAAAAAAAAAAAAAAAAAAAAAAAAAAAAAAAAAAAAAAAAAAAAAAAAAAAAAAAAAAAAAAAAAAAAAAAAAAAAAAAAAAAAAAAAAAAAFAAAADwAAAAAAAAAAAAAAAAAAAkUAAAAAQAAABQAAAAUAAAAFAAAAAEAAAAAAAAAZAAAAGQAAAAAAAAAZAAAAGQAAAAVAAAAYAAAAAAAAAAAAAAADwAAACADAAAAAAAAAAAAAAEAAACgMgAAVgcAAKr4//8BAAAAf39/AAEAAABkAAAAAAAAABQAAABAHwAAAAAAACYAAAAAAAAAwOD//wAAAAAmAAAAZAAAABYAAABMAAAAAAAAAAAAAAAEAAAAAAAAAAEAAADn5uYKAAAAACgAAAAoAAAAZAAAAGQAAAAAAAAAzMzMAAAAAABQAAAAUAAAAGQAAABkAAAAAAAAABcAAAAUAAAAAAAAAAAAAAD/fwAA/38AAAAAAAAJAAAABAAAAAAAAAAeAAAAaAAAAAAAAAAAAAAAAAAAAAAAAAAAAAAAECcAABAnAAAAAAAAAAAAAAAAAAAAAAAAAAAAAAAAAAAAAAAAAAAAABQAAAAAAAAAwMD/AAAAAABkAAAAMgAAAAAAAABkAAAAAAAAAH9/fwAKAAAAIgAAABgAAAAAAAAAAAAAAAAAAAAAAAAAAAAAAAAAAAAkAAAAJAAAAAAAAAAHAAAAAAAAAAAAAAAAAAAAAAAAAAAAAAAAAAAAf39/ACUAAABYAAAAAAAAAAAAAAAAAAAAAAAAAAAAAAAAAAAAAAAAAAAAAAAAAAAAAAAAAAAAAAA/AAAAAAAAAKCGAQAAAAAAAAAAAAAAAAAMAAAAAQAAAAAAAAAAAAAAAAAAAB8AAABUAAAAAAAABQAAAAEAAAAAAAAAAAAAAAAAAAAAAAAAAAAAAAAAAAAAAAAAAAAAAAJ/f38AAAAAA8zMzADAwP8Af39/AAAAAAAAAAAAAAAAAAAAAAAAAAAAIQAAABgAAAAUAAAAwAMAAK8BAAA/RwAAuggAABAAAAAmAAAACAAAADwgAAAAAAAA"/>
+                <pr:smNativeData xmlns:mc="http://schemas.openxmlformats.org/markup-compatibility/2006" xmlns:p14="http://schemas.microsoft.com/office/powerpoint/2010/main" xmlns:p15="http://schemas.microsoft.com/office/powerpoint/2012/main" xmlns:pr="smNativeData" xmlns="smNativeData" val="SMDATA_15_q5OGZBMAAAAlAAAAZAAAAA0AAAAAAAAAAAAAAAAAAAAAAAAAAAAAAAABAAAAAAAAAAEAAABQAAAAAAAAAAAA4D8AAAAAAADgPwAAAAAAAOA/AAAAAAAA4D8AAAAAAADgPwAAAAAAAOA/AAAAAAAA4D8AAAAAAADgPwAAAAAAAOA/AAAAAAAA4D8CAAAAjAAAAAAAAAAAAAAARHLEDP///wgAAAAAAAAAAAAAAAAAAAAAAAAAAAAAAAAAAAAAZAAAAAEAAABAAAAAAAAAAAAAAAAAAAAAAAAAAAAAAAAAAAAAAAAAAAAAAAAAAAAAAAAAAAAAAAAAAAAAAAAAAAAAAAAAAAAAAAAAAAAAAAAAAAAAAAAAAAAAAAAAAAAAFAAAADwAAAAAAAAAAAAAAAAAAAkUAAAAAQAAABQAAAAUAAAAFAAAAAEAAAAAAAAAZAAAAGQAAAAAAAAAZAAAAGQAAAAVAAAAYAAAAAAAAAAAAAAADwAAACADAAAAAAAAAAAAAAEAAACgMgAAVgcAAKr4//8BAAAAf39/AAEAAABkAAAAAAAAABQAAABAHwAAAAAAACYAAAAAAAAAwOD//wAAAAAmAAAAZAAAABYAAABMAAAAAAAAAAAAAAAEAAAAAAAAAAEAAADn5uYKAAAAACgAAAAoAAAAZAAAAGQAAAAAAAAAzMzMAAAAAABQAAAAUAAAAGQAAABkAAAAAAAAABcAAAAUAAAAAAAAAAAAAAD/fwAA/38AAAAAAAAJAAAABAAAAAAAAAAeAAAAaAAAAAAAAAAAAAAAAAAAAAAAAAAAAAAAECcAABAnAAAAAAAAAAAAAAAAAAAAAAAAAAAAAAAAAAAAAAAAAAAAABQAAAAAAAAAwMD/AAAAAABkAAAAMgAAAAAAAABkAAAAAAAAAH9/fwAKAAAAIgAAABgAAAAAAAAAAAAAAAAAAAAAAAAAAAAAAAAAAAAkAAAAJAAAAAAAAAAHAAAAAAAAAAAAAAAAAAAAAAAAAAAAAAAAAAAAf39/ACUAAABYAAAAAAAAAAAAAAAAAAAAAAAAAAAAAAAAAAAAAAAAAAAAAAAAAAAAAAAAAAAAAAA/AAAAAAAAAKCGAQAAAAAAAAAAAAAAAAAMAAAAAQAAAAAAAAAAAAAAAAAAAB8AAABUAAAAAAAABQAAAAEAAAAAAAAAAAAAAAAAAAAAAAAAAAAAAAAAAAAAAAAAAAAAAAJ/f38AAAAAA8zMzADAwP8Af39/AAAAAAAAAAAAAAAAAAAAAAAAAAAAIQAAABgAAAAUAAAAwAMAAK8BAAA/RwAAuggAABAAAAAmAAAACAAAADwgAAAAAAAA"/>
               </a:ext>
             </a:extLst>
           </p:cNvSpPr>
@@ -2734,7 +2737,7 @@
             <a:spLocks noGrp="1" noChangeArrowheads="1"/>
             <a:extLst>
               <a:ext uri="smNativeData">
-                <pr:smNativeData xmlns="smNativeData" xmlns:pr="smNativeData" xmlns:p15="http://schemas.microsoft.com/office/powerpoint/2012/main" xmlns:p14="http://schemas.microsoft.com/office/powerpoint/2010/main" xmlns:mc="http://schemas.openxmlformats.org/markup-compatibility/2006" val="SMDATA_15_q5OGZBMAAAAlAAAAZAAAAA0AAAAAAAAAAAAAAAAAAAAAAAAAAAAAAAAAAAAAAAAAAAEAAABQAAAAAAAAAAAA4D8AAAAAAADgPwAAAAAAAOA/AAAAAAAA4D8AAAAAAADgPwAAAAAAAOA/AAAAAAAA4D8AAAAAAADgPwAAAAAAAOA/AAAAAAAA4D8CAAAAjAAAAAAAAAAAAAAARHLEDP///wgAAAAAAAAAAAAAAAAAAAAAAAAAAAAAAAAAAAAAZAAAAAEAAABAAAAAAAAAAAAAAAAAAAAAAAAAAAAAAAAAAAAAAAAAAAAAAAAAAAAAAAAAAAAAAAAAAAAAAAAAAAAAAAAAAAAAAAAAAAAAAAAAAAAAAAAAAAAAAAAAAAAAFAAAADwAAAAAAAAAAAAAAAAAAAkUAAAAAQAAABQAAAAUAAAAFAAAAAEAAAAAAAAAZAAAAGQAAAAAAAAAZAAAAGQAAAAVAAAAYAAAAAAAAAAAAAAADwAAACADAAAAAAAAAAAAAAEAAACgMgAAVgcAAKr4//8BAAAAf39/AAEAAABkAAAAAAAAABQAAABAHwAAAAAAACYAAAAAAAAAwOD//wAAAAAmAAAAZAAAABYAAABMAAAAAAAAAAAAAAAEAAAAAAAAAAEAAADn5uYKAAAAACgAAAAoAAAAZAAAAGQAAAAAAAAAzMzMAAAAAABQAAAAUAAAAGQAAABkAAAAAAAAABcAAAAUAAAAAAAAAAAAAAD/fwAA/38AAAAAAAAJAAAABAAAAAAAAAAeAAAAaAAAAAAAAAAAAAAAAAAAAAAAAAAAAAAAECcAABAnAAAAAAAAAAAAAAAAAAAAAAAAAAAAAAAAAAAAAAAAAAAAABQAAAAAAAAAwMD/AAAAAABkAAAAMgAAAAAAAABkAAAAAAAAAH9/fwAKAAAAIgAAABgAAAAAAAAAAAAAAAAAAAAAAAAAAAAAAAAAAAAkAAAAJAAAAAAAAAAHAAAAAAAAAAAAAAAAAAAAAAAAAAAAAAAAAAAAf39/ACUAAABYAAAAAAAAAAAAAAAAAAAAAAAAAAAAAAAAAAAAAAAAAAAAAAAAAAAAAAAAAAAAAAA/AAAAAAAAAKCGAQAAAAAAAAAAAAAAAAAMAAAAAQAAAAAAAAAAAAAAAAAAAB8AAABUAAAAAAAABQAAAAEAAAAAAAAAAAAAAAAAAAAAAAAAAAAAAAAAAAAAAAAAAAAAAAJ/f38AAAAAA8zMzADAwP8Af39/AAAAAAAAAAAAAAAAAAAAAAAAAAAAIQAAABgAAAAUAAAAwAMAAN8JAAA/RwAAViIAABAAAAAmAAAACAAAADwgAAAAAAAA"/>
+                <pr:smNativeData xmlns:mc="http://schemas.openxmlformats.org/markup-compatibility/2006" xmlns:p14="http://schemas.microsoft.com/office/powerpoint/2010/main" xmlns:p15="http://schemas.microsoft.com/office/powerpoint/2012/main" xmlns:pr="smNativeData" xmlns="smNativeData" val="SMDATA_15_q5OGZBMAAAAlAAAAZAAAAA0AAAAAAAAAAAAAAAAAAAAAAAAAAAAAAAAAAAAAAAAAAAEAAABQAAAAAAAAAAAA4D8AAAAAAADgPwAAAAAAAOA/AAAAAAAA4D8AAAAAAADgPwAAAAAAAOA/AAAAAAAA4D8AAAAAAADgPwAAAAAAAOA/AAAAAAAA4D8CAAAAjAAAAAAAAAAAAAAARHLEDP///wgAAAAAAAAAAAAAAAAAAAAAAAAAAAAAAAAAAAAAZAAAAAEAAABAAAAAAAAAAAAAAAAAAAAAAAAAAAAAAAAAAAAAAAAAAAAAAAAAAAAAAAAAAAAAAAAAAAAAAAAAAAAAAAAAAAAAAAAAAAAAAAAAAAAAAAAAAAAAAAAAAAAAFAAAADwAAAAAAAAAAAAAAAAAAAkUAAAAAQAAABQAAAAUAAAAFAAAAAEAAAAAAAAAZAAAAGQAAAAAAAAAZAAAAGQAAAAVAAAAYAAAAAAAAAAAAAAADwAAACADAAAAAAAAAAAAAAEAAACgMgAAVgcAAKr4//8BAAAAf39/AAEAAABkAAAAAAAAABQAAABAHwAAAAAAACYAAAAAAAAAwOD//wAAAAAmAAAAZAAAABYAAABMAAAAAAAAAAAAAAAEAAAAAAAAAAEAAADn5uYKAAAAACgAAAAoAAAAZAAAAGQAAAAAAAAAzMzMAAAAAABQAAAAUAAAAGQAAABkAAAAAAAAABcAAAAUAAAAAAAAAAAAAAD/fwAA/38AAAAAAAAJAAAABAAAAAAAAAAeAAAAaAAAAAAAAAAAAAAAAAAAAAAAAAAAAAAAECcAABAnAAAAAAAAAAAAAAAAAAAAAAAAAAAAAAAAAAAAAAAAAAAAABQAAAAAAAAAwMD/AAAAAABkAAAAMgAAAAAAAABkAAAAAAAAAH9/fwAKAAAAIgAAABgAAAAAAAAAAAAAAAAAAAAAAAAAAAAAAAAAAAAkAAAAJAAAAAAAAAAHAAAAAAAAAAAAAAAAAAAAAAAAAAAAAAAAAAAAf39/ACUAAABYAAAAAAAAAAAAAAAAAAAAAAAAAAAAAAAAAAAAAAAAAAAAAAAAAAAAAAAAAAAAAAA/AAAAAAAAAKCGAQAAAAAAAAAAAAAAAAAMAAAAAQAAAAAAAAAAAAAAAAAAAB8AAABUAAAAAAAABQAAAAEAAAAAAAAAAAAAAAAAAAAAAAAAAAAAAAAAAAAAAAAAAAAAAAJ/f38AAAAAA8zMzADAwP8Af39/AAAAAAAAAAAAAAAAAAAAAAAAAAAAIQAAABgAAAAUAAAAwAMAAN8JAAA/RwAAViIAABAAAAAmAAAACAAAADwgAAAAAAAA"/>
               </a:ext>
             </a:extLst>
           </p:cNvSpPr>
@@ -2790,7 +2793,7 @@
             <a:spLocks noGrp="1" noChangeArrowheads="1"/>
             <a:extLst>
               <a:ext uri="smNativeData">
-                <pr:smNativeData xmlns="smNativeData" xmlns:pr="smNativeData" xmlns:p15="http://schemas.microsoft.com/office/powerpoint/2012/main" xmlns:p14="http://schemas.microsoft.com/office/powerpoint/2010/main" xmlns:mc="http://schemas.openxmlformats.org/markup-compatibility/2006" val="SMDATA_15_q5OGZBMAAAAlAAAAZAAAAA0AAAAAAAAAAAAAAAAAAAAAAAAAAAAAAAABAAAAAAAAAAEAAABQAAAAAAAAAAAA4D8AAAAAAADgPwAAAAAAAOA/AAAAAAAA4D8AAAAAAADgPwAAAAAAAOA/AAAAAAAA4D8AAAAAAADgPwAAAAAAAOA/AAAAAAAA4D8CAAAAjAAAAAAAAAAAAAAARHLEDP///wgAAAAAAAAAAAAAAAAAAAAAAAAAAAAAAAAAAAAAZAAAAAEAAABAAAAAAAAAAAAAAAAAAAAAAAAAAAAAAAAAAAAAAAAAAAAAAAAAAAAAAAAAAAAAAAAAAAAAAAAAAAAAAAAAAAAAAAAAAAAAAAAAAAAAAAAAAAAAAAAAAAAAFAAAADwAAAAAAAAAAAAAAAAAAAkUAAAAAQAAABQAAAAUAAAAFAAAAAEAAAAAAAAAZAAAAGQAAAAAAAAAZAAAAGQAAAAVAAAAYAAAAAAAAAAAAAAADwAAACADAAAAAAAAAAAAAAEAAACgMgAAVgcAAKr4//8BAAAAf39/AAEAAABkAAAAAAAAABQAAABAHwAAAAAAACYAAAAAAAAAwOD//wAAAAAmAAAAZAAAABYAAABMAAAAAAAAAAAAAAAEAAAAAAAAAAEAAADn5uYKAAAAACgAAAAoAAAAZAAAAGQAAAAAAAAAzMzMAAAAAABQAAAAUAAAAGQAAABkAAAAAAAAABcAAAAUAAAAAAAAAAAAAAD/fwAA/38AAAAAAAAJAAAABAAAAAAAAAAeAAAAaAAAAAAAAAAAAAAAAAAAAAAAAAAAAAAAECcAABAnAAAAAAAAAAAAAAAAAAAAAAAAAAAAAAAAAAAAAAAAAAAAABQAAAAAAAAAwMD/AAAAAABkAAAAMgAAAAAAAABkAAAAAAAAAH9/fwAKAAAAIgAAABgAAAAAAAAAAAAAAAAAAAAAAAAAAAAAAAAAAAAkAAAAJAAAAAAAAAAHAAAAAAAAAAAAAAAAAAAAAAAAAAAAAAAAAAAAf39/ACUAAABYAAAAAAAAAAAAAAAAAAAAAAAAAAAAAAAAAAAAAAAAAAAAAAAAAAAAAAAAAAAAAAA/AAAAAAAAAKCGAQAAAAAAAAAAAAAAAAAMAAAAAQAAAAAAAAAAAAAAAAAAAB8AAABUAAAAAAAABQAAAAEAAAAAAAAAAAAAAAAAAAAAAAAAAAAAAAAAAAAAAAAAAAAAAAJ/f38AAAAAA8zMzADAwP8Af39/AAAAAAAAAAAAAAAAAAAAAAAAAAAAIQAAABgAAAAUAAAAwAMAAK8BAAA/RwAAuggAABAAAAAmAAAACAAAADwgAAAAAAAA"/>
+                <pr:smNativeData xmlns:mc="http://schemas.openxmlformats.org/markup-compatibility/2006" xmlns:p14="http://schemas.microsoft.com/office/powerpoint/2010/main" xmlns:p15="http://schemas.microsoft.com/office/powerpoint/2012/main" xmlns:pr="smNativeData" xmlns="smNativeData" val="SMDATA_15_q5OGZBMAAAAlAAAAZAAAAA0AAAAAAAAAAAAAAAAAAAAAAAAAAAAAAAABAAAAAAAAAAEAAABQAAAAAAAAAAAA4D8AAAAAAADgPwAAAAAAAOA/AAAAAAAA4D8AAAAAAADgPwAAAAAAAOA/AAAAAAAA4D8AAAAAAADgPwAAAAAAAOA/AAAAAAAA4D8CAAAAjAAAAAAAAAAAAAAARHLEDP///wgAAAAAAAAAAAAAAAAAAAAAAAAAAAAAAAAAAAAAZAAAAAEAAABAAAAAAAAAAAAAAAAAAAAAAAAAAAAAAAAAAAAAAAAAAAAAAAAAAAAAAAAAAAAAAAAAAAAAAAAAAAAAAAAAAAAAAAAAAAAAAAAAAAAAAAAAAAAAAAAAAAAAFAAAADwAAAAAAAAAAAAAAAAAAAkUAAAAAQAAABQAAAAUAAAAFAAAAAEAAAAAAAAAZAAAAGQAAAAAAAAAZAAAAGQAAAAVAAAAYAAAAAAAAAAAAAAADwAAACADAAAAAAAAAAAAAAEAAACgMgAAVgcAAKr4//8BAAAAf39/AAEAAABkAAAAAAAAABQAAABAHwAAAAAAACYAAAAAAAAAwOD//wAAAAAmAAAAZAAAABYAAABMAAAAAAAAAAAAAAAEAAAAAAAAAAEAAADn5uYKAAAAACgAAAAoAAAAZAAAAGQAAAAAAAAAzMzMAAAAAABQAAAAUAAAAGQAAABkAAAAAAAAABcAAAAUAAAAAAAAAAAAAAD/fwAA/38AAAAAAAAJAAAABAAAAAAAAAAeAAAAaAAAAAAAAAAAAAAAAAAAAAAAAAAAAAAAECcAABAnAAAAAAAAAAAAAAAAAAAAAAAAAAAAAAAAAAAAAAAAAAAAABQAAAAAAAAAwMD/AAAAAABkAAAAMgAAAAAAAABkAAAAAAAAAH9/fwAKAAAAIgAAABgAAAAAAAAAAAAAAAAAAAAAAAAAAAAAAAAAAAAkAAAAJAAAAAAAAAAHAAAAAAAAAAAAAAAAAAAAAAAAAAAAAAAAAAAAf39/ACUAAABYAAAAAAAAAAAAAAAAAAAAAAAAAAAAAAAAAAAAAAAAAAAAAAAAAAAAAAAAAAAAAAA/AAAAAAAAAKCGAQAAAAAAAAAAAAAAAAAMAAAAAQAAAAAAAAAAAAAAAAAAAB8AAABUAAAAAAAABQAAAAEAAAAAAAAAAAAAAAAAAAAAAAAAAAAAAAAAAAAAAAAAAAAAAAJ/f38AAAAAA8zMzADAwP8Af39/AAAAAAAAAAAAAAAAAAAAAAAAAAAAIQAAABgAAAAUAAAAwAMAAK8BAAA/RwAAuggAABAAAAAmAAAACAAAADwgAAAAAAAA"/>
               </a:ext>
             </a:extLst>
           </p:cNvSpPr>
@@ -2821,7 +2824,7 @@
             <a:spLocks noGrp="1" noChangeArrowheads="1"/>
             <a:extLst>
               <a:ext uri="smNativeData">
-                <pr:smNativeData xmlns="smNativeData" xmlns:pr="smNativeData" xmlns:p15="http://schemas.microsoft.com/office/powerpoint/2012/main" xmlns:p14="http://schemas.microsoft.com/office/powerpoint/2010/main" xmlns:mc="http://schemas.openxmlformats.org/markup-compatibility/2006" val="SMDATA_15_q5OGZBMAAAAlAAAAZAAAAA0AAAAAAAAAAAAAAAAAAAAAAAAAAAAAAAAAAAAAAAAAAAEAAABQAAAAAAAAAAAA4D8AAAAAAADgPwAAAAAAAOA/AAAAAAAA4D8AAAAAAADgPwAAAAAAAOA/AAAAAAAA4D8AAAAAAADgPwAAAAAAAOA/AAAAAAAA4D8CAAAAjAAAAAAAAAAAAAAARHLEDP///wgAAAAAAAAAAAAAAAAAAAAAAAAAAAAAAAAAAAAAZAAAAAEAAABAAAAAAAAAAAAAAAAAAAAAAAAAAAAAAAAAAAAAAAAAAAAAAAAAAAAAAAAAAAAAAAAAAAAAAAAAAAAAAAAAAAAAAAAAAAAAAAAAAAAAAAAAAAAAAAAAAAAAFAAAADwAAAAAAAAAAAAAAAAAAAkUAAAAAQAAABQAAAAUAAAAFAAAAAEAAAAAAAAAZAAAAGQAAAAAAAAAZAAAAGQAAAAVAAAAYAAAAAAAAAAAAAAADwAAACADAAAAAAAAAAAAAAEAAACgMgAAVgcAAKr4//8BAAAAf39/AAEAAABkAAAAAAAAABQAAABAHwAAAAAAACYAAAAAAAAAwOD//wAAAAAmAAAAZAAAABYAAABMAAAAAAAAAAAAAAAEAAAAAAAAAAEAAADn5uYKAAAAACgAAAAoAAAAZAAAAGQAAAAAAAAAzMzMAAAAAABQAAAAUAAAAGQAAABkAAAAAAAAABcAAAAUAAAAAAAAAAAAAAD/fwAA/38AAAAAAAAJAAAABAAAAAAAAAAeAAAAaAAAAAAAAAAAAAAAAAAAAAAAAAAAAAAAECcAABAnAAAAAAAAAAAAAAAAAAAAAAAAAAAAAAAAAAAAAAAAAAAAABQAAAAAAAAAwMD/AAAAAABkAAAAMgAAAAAAAABkAAAAAAAAAH9/fwAKAAAAIgAAABgAAAAAAAAAAAAAAAAAAAAAAAAAAAAAAAAAAAAkAAAAJAAAAAAAAAAHAAAAAAAAAAAAAAAAAAAAAAAAAAAAAAAAAAAAf39/ACUAAABYAAAAAAAAAAAAAAAAAAAAAAAAAAAAAAAAAAAAAAAAAAAAAAAAAAAAAAAAAAAAAAA/AAAAAAAAAKCGAQAAAAAAAAAAAAAAAAAMAAAAAQAAAAAAAAAAAAAAAAAAAB8AAABUAAAAAAAABQAAAAEAAAAAAAAAAAAAAAAAAAAAAAAAAAAAAAAAAAAAAAAAAAAAAAJ/f38AAAAAA8zMzADAwP8Af39/AAAAAAAAAAAAAAAAAAAAAAAAAAAAIQAAABgAAAAUAAAAwAMAAN8JAACwJAAAViIAABAAAAAmAAAACAAAAD0gAAAAAAAA"/>
+                <pr:smNativeData xmlns:mc="http://schemas.openxmlformats.org/markup-compatibility/2006" xmlns:p14="http://schemas.microsoft.com/office/powerpoint/2010/main" xmlns:p15="http://schemas.microsoft.com/office/powerpoint/2012/main" xmlns:pr="smNativeData" xmlns="smNativeData" val="SMDATA_15_q5OGZBMAAAAlAAAAZAAAAA0AAAAAAAAAAAAAAAAAAAAAAAAAAAAAAAAAAAAAAAAAAAEAAABQAAAAAAAAAAAA4D8AAAAAAADgPwAAAAAAAOA/AAAAAAAA4D8AAAAAAADgPwAAAAAAAOA/AAAAAAAA4D8AAAAAAADgPwAAAAAAAOA/AAAAAAAA4D8CAAAAjAAAAAAAAAAAAAAARHLEDP///wgAAAAAAAAAAAAAAAAAAAAAAAAAAAAAAAAAAAAAZAAAAAEAAABAAAAAAAAAAAAAAAAAAAAAAAAAAAAAAAAAAAAAAAAAAAAAAAAAAAAAAAAAAAAAAAAAAAAAAAAAAAAAAAAAAAAAAAAAAAAAAAAAAAAAAAAAAAAAAAAAAAAAFAAAADwAAAAAAAAAAAAAAAAAAAkUAAAAAQAAABQAAAAUAAAAFAAAAAEAAAAAAAAAZAAAAGQAAAAAAAAAZAAAAGQAAAAVAAAAYAAAAAAAAAAAAAAADwAAACADAAAAAAAAAAAAAAEAAACgMgAAVgcAAKr4//8BAAAAf39/AAEAAABkAAAAAAAAABQAAABAHwAAAAAAACYAAAAAAAAAwOD//wAAAAAmAAAAZAAAABYAAABMAAAAAAAAAAAAAAAEAAAAAAAAAAEAAADn5uYKAAAAACgAAAAoAAAAZAAAAGQAAAAAAAAAzMzMAAAAAABQAAAAUAAAAGQAAABkAAAAAAAAABcAAAAUAAAAAAAAAAAAAAD/fwAA/38AAAAAAAAJAAAABAAAAAAAAAAeAAAAaAAAAAAAAAAAAAAAAAAAAAAAAAAAAAAAECcAABAnAAAAAAAAAAAAAAAAAAAAAAAAAAAAAAAAAAAAAAAAAAAAABQAAAAAAAAAwMD/AAAAAABkAAAAMgAAAAAAAABkAAAAAAAAAH9/fwAKAAAAIgAAABgAAAAAAAAAAAAAAAAAAAAAAAAAAAAAAAAAAAAkAAAAJAAAAAAAAAAHAAAAAAAAAAAAAAAAAAAAAAAAAAAAAAAAAAAAf39/ACUAAABYAAAAAAAAAAAAAAAAAAAAAAAAAAAAAAAAAAAAAAAAAAAAAAAAAAAAAAAAAAAAAAA/AAAAAAAAAKCGAQAAAAAAAAAAAAAAAAAMAAAAAQAAAAAAAAAAAAAAAAAAAB8AAABUAAAAAAAABQAAAAEAAAAAAAAAAAAAAAAAAAAAAAAAAAAAAAAAAAAAAAAAAAAAAAJ/f38AAAAAA8zMzADAwP8Af39/AAAAAAAAAAAAAAAAAAAAAAAAAAAAIQAAABgAAAAUAAAAwAMAAN8JAACwJAAAViIAABAAAAAmAAAACAAAAD0gAAAAAAAA"/>
               </a:ext>
             </a:extLst>
           </p:cNvSpPr>
@@ -2857,7 +2860,7 @@
             <a:spLocks noGrp="1" noChangeArrowheads="1"/>
             <a:extLst>
               <a:ext uri="smNativeData">
-                <pr:smNativeData xmlns="smNativeData" xmlns:pr="smNativeData" xmlns:p15="http://schemas.microsoft.com/office/powerpoint/2012/main" xmlns:p14="http://schemas.microsoft.com/office/powerpoint/2010/main" xmlns:mc="http://schemas.openxmlformats.org/markup-compatibility/2006" val="SMDATA_15_q5OGZBMAAAAlAAAAZAAAAA0AAAAAAAAAAAAAAAAAAAAAAAAAAAAAAAAAAAAAAAAAAAEAAABQAAAAAAAAAAAA4D8AAAAAAADgPwAAAAAAAOA/AAAAAAAA4D8AAAAAAADgPwAAAAAAAOA/AAAAAAAA4D8AAAAAAADgPwAAAAAAAOA/AAAAAAAA4D8CAAAAjAAAAAAAAAAAAAAARHLEDP///wgAAAAAAAAAAAAAAAAAAAAAAAAAAAAAAAAAAAAAZAAAAAEAAABAAAAAAAAAAAAAAAAAAAAAAAAAAAAAAAAAAAAAAAAAAAAAAAAAAAAAAAAAAAAAAAAAAAAAAAAAAAAAAAAAAAAAAAAAAAAAAAAAAAAAAAAAAAAAAAAAAAAAFAAAADwAAAAAAAAAAAAAAAAAAAkUAAAAAQAAABQAAAAUAAAAFAAAAAEAAAAAAAAAZAAAAGQAAAAAAAAAZAAAAGQAAAAVAAAAYAAAAAAAAAAAAAAADwAAACADAAAAAAAAAAAAAAEAAACgMgAAVgcAAKr4//8BAAAAf39/AAEAAABkAAAAAAAAABQAAABAHwAAAAAAACYAAAAAAAAAwOD//wAAAAAmAAAAZAAAABYAAABMAAAAAAAAAAAAAAAEAAAAAAAAAAEAAADn5uYKAAAAACgAAAAoAAAAZAAAAGQAAAAAAAAAzMzMAAAAAABQAAAAUAAAAGQAAABkAAAAAAAAABcAAAAUAAAAAAAAAAAAAAD/fwAA/38AAAAAAAAJAAAABAAAACyocwAeAAAAaAAAAAAAAAAAAAAAAAAAAAAAAAAAAAAAECcAABAnAAAAAAAAAAAAAAAAAAAAAAAAAAAAAAAAAAAAAAAAAAAAABQAAAAAAAAAwMD/AAAAAABkAAAAMgAAAAAAAABkAAAAAAAAAH9/fwAKAAAAIgAAABgAAAAAAAAAAAAAAAAAAAAAAAAAAAAAAAAAAAAkAAAAJAAAAAAAAAAHAAAAAAAAAAAAAAAAAAAAAAAAAAAAAAAAAAAAf39/ACUAAABYAAAAAAAAAAAAAAAAAAAAAAAAAAAAAAAAAAAAAAAAAAAAAAAAAAAAAAAAAAAAAAA/AAAAAAAAAKCGAQAAAAAAAAAAAAAAAAAMAAAAAQAAAAAAAAAAAAAAAAAAAB8AAABUAAAAAAAABQAAAAEAAAAAAAAAAAAAAAAAAAAAAAAAAAAAAAAAAAAAAAAAAAAAAAJ/f38AAAAAA8zMzADAwP8Af39/AAAAAAAAAAAAAAAAAAAAAAAAAAAAIQAAABgAAAAUAAAAViYAAN8JAABGRwAAViIAABAAAAAmAAAACAAAAD0gAAAAAAAA"/>
+                <pr:smNativeData xmlns:mc="http://schemas.openxmlformats.org/markup-compatibility/2006" xmlns:p14="http://schemas.microsoft.com/office/powerpoint/2010/main" xmlns:p15="http://schemas.microsoft.com/office/powerpoint/2012/main" xmlns:pr="smNativeData" xmlns="smNativeData" val="SMDATA_15_q5OGZBMAAAAlAAAAZAAAAA0AAAAAAAAAAAAAAAAAAAAAAAAAAAAAAAAAAAAAAAAAAAEAAABQAAAAAAAAAAAA4D8AAAAAAADgPwAAAAAAAOA/AAAAAAAA4D8AAAAAAADgPwAAAAAAAOA/AAAAAAAA4D8AAAAAAADgPwAAAAAAAOA/AAAAAAAA4D8CAAAAjAAAAAAAAAAAAAAARHLEDP///wgAAAAAAAAAAAAAAAAAAAAAAAAAAAAAAAAAAAAAZAAAAAEAAABAAAAAAAAAAAAAAAAAAAAAAAAAAAAAAAAAAAAAAAAAAAAAAAAAAAAAAAAAAAAAAAAAAAAAAAAAAAAAAAAAAAAAAAAAAAAAAAAAAAAAAAAAAAAAAAAAAAAAFAAAADwAAAAAAAAAAAAAAAAAAAkUAAAAAQAAABQAAAAUAAAAFAAAAAEAAAAAAAAAZAAAAGQAAAAAAAAAZAAAAGQAAAAVAAAAYAAAAAAAAAAAAAAADwAAACADAAAAAAAAAAAAAAEAAACgMgAAVgcAAKr4//8BAAAAf39/AAEAAABkAAAAAAAAABQAAABAHwAAAAAAACYAAAAAAAAAwOD//wAAAAAmAAAAZAAAABYAAABMAAAAAAAAAAAAAAAEAAAAAAAAAAEAAADn5uYKAAAAACgAAAAoAAAAZAAAAGQAAAAAAAAAzMzMAAAAAABQAAAAUAAAAGQAAABkAAAAAAAAABcAAAAUAAAAAAAAAAAAAAD/fwAA/38AAAAAAAAJAAAABAAAACyocwAeAAAAaAAAAAAAAAAAAAAAAAAAAAAAAAAAAAAAECcAABAnAAAAAAAAAAAAAAAAAAAAAAAAAAAAAAAAAAAAAAAAAAAAABQAAAAAAAAAwMD/AAAAAABkAAAAMgAAAAAAAABkAAAAAAAAAH9/fwAKAAAAIgAAABgAAAAAAAAAAAAAAAAAAAAAAAAAAAAAAAAAAAAkAAAAJAAAAAAAAAAHAAAAAAAAAAAAAAAAAAAAAAAAAAAAAAAAAAAAf39/ACUAAABYAAAAAAAAAAAAAAAAAAAAAAAAAAAAAAAAAAAAAAAAAAAAAAAAAAAAAAAAAAAAAAA/AAAAAAAAAKCGAQAAAAAAAAAAAAAAAAAMAAAAAQAAAAAAAAAAAAAAAAAAAB8AAABUAAAAAAAABQAAAAEAAAAAAAAAAAAAAAAAAAAAAAAAAAAAAAAAAAAAAAAAAAAAAAJ/f38AAAAAA8zMzADAwP8Af39/AAAAAAAAAAAAAAAAAAAAAAAAAAAAIQAAABgAAAAUAAAAViYAAN8JAABGRwAAViIAABAAAAAmAAAACAAAAD0gAAAAAAAA"/>
               </a:ext>
             </a:extLst>
           </p:cNvSpPr>
@@ -2918,7 +2921,7 @@
             <a:spLocks noGrp="1" noChangeArrowheads="1"/>
             <a:extLst>
               <a:ext uri="smNativeData">
-                <pr:smNativeData xmlns="smNativeData" xmlns:pr="smNativeData" xmlns:p15="http://schemas.microsoft.com/office/powerpoint/2012/main" xmlns:p14="http://schemas.microsoft.com/office/powerpoint/2010/main" xmlns:mc="http://schemas.openxmlformats.org/markup-compatibility/2006" val="SMDATA_15_q5OGZBMAAAAlAAAAZAAAAA0AAAAAAAAAAAAAAAAAAAAAAAAAAAAAAAABAAAAAAAAAAEAAABQAAAAAAAAAAAA4D8AAAAAAADgPwAAAAAAAOA/AAAAAAAA4D8AAAAAAADgPwAAAAAAAOA/AAAAAAAA4D8AAAAAAADgPwAAAAAAAOA/AAAAAAAA4D8CAAAAjAAAAAAAAAAAAAAARHLEDP///wgAAAAAAAAAAAAAAAAAAAAAAAAAAAAAAAAAAAAAZAAAAAEAAABAAAAAAAAAAAAAAAAAAAAAAAAAAAAAAAAAAAAAAAAAAAAAAAAAAAAAAAAAAAAAAAAAAAAAAAAAAAAAAAAAAAAAAAAAAAAAAAAAAAAAAAAAAAAAAAAAAAAAFAAAADwAAAAAAAAAAAAAAAAAAAkUAAAAAQAAABQAAAAUAAAAFAAAAAEAAAAAAAAAZAAAAGQAAAAAAAAAZAAAAGQAAAAVAAAAYAAAAAAAAAAAAAAADwAAACADAAAAAAAAAAAAAAEAAACgMgAAVgcAAKr4//8BAAAAf39/AAEAAABkAAAAAAAAABQAAABAHwAAAAAAACYAAAAAAAAAwOD//wAAAAAmAAAAZAAAABYAAABMAAAAAAAAAAAAAAAEAAAAAAAAAAEAAADn5uYKAAAAACgAAAAoAAAAZAAAAGQAAAAAAAAAzMzMAAAAAABQAAAAUAAAAGQAAABkAAAAAAAAABcAAAAUAAAAAAAAAAAAAAD/fwAA/38AAAAAAAAJAAAABAAAAAAAAAAeAAAAaAAAAAAAAAAAAAAAAAAAAAAAAAAAAAAAECcAABAnAAAAAAAAAAAAAAAAAAAAAAAAAAAAAAAAAAAAAAAAAAAAABQAAAAAAAAAwMD/AAAAAABkAAAAMgAAAAAAAABkAAAAAAAAAH9/fwAKAAAAIgAAABgAAAAAAAAAAAAAAAAAAAAAAAAAAAAAAAAAAAAkAAAAJAAAAAAAAAAHAAAAAAAAAAAAAAAAAAAAAAAAAAAAAAAAAAAAf39/ACUAAABYAAAAAAAAAAAAAAAAAAAAAAAAAAAAAAAAAAAAAAAAAAAAAAAAAAAAAAAAAAAAAAA/AAAAAAAAAKCGAQAAAAAAAAAAAAAAAAAMAAAAAQAAAAAAAAAAAAAAAAAAAB8AAABUAAAAAAAABQAAAAEAAAAAAAAAAAAAAAAAAAAAAAAAAAAAAAAAAAAAAAAAAAAAAAJ/f38AAAAAA8zMzADAwP8Af39/AAAAAAAAAAAAAAAAAAAAAAAAAAAAIQAAABgAAAAUAAAAwAMAAK8BAAA/RwAAuggAABAAAAAmAAAACAAAADwgAAAAAAAA"/>
+                <pr:smNativeData xmlns:mc="http://schemas.openxmlformats.org/markup-compatibility/2006" xmlns:p14="http://schemas.microsoft.com/office/powerpoint/2010/main" xmlns:p15="http://schemas.microsoft.com/office/powerpoint/2012/main" xmlns:pr="smNativeData" xmlns="smNativeData" val="SMDATA_15_q5OGZBMAAAAlAAAAZAAAAA0AAAAAAAAAAAAAAAAAAAAAAAAAAAAAAAABAAAAAAAAAAEAAABQAAAAAAAAAAAA4D8AAAAAAADgPwAAAAAAAOA/AAAAAAAA4D8AAAAAAADgPwAAAAAAAOA/AAAAAAAA4D8AAAAAAADgPwAAAAAAAOA/AAAAAAAA4D8CAAAAjAAAAAAAAAAAAAAARHLEDP///wgAAAAAAAAAAAAAAAAAAAAAAAAAAAAAAAAAAAAAZAAAAAEAAABAAAAAAAAAAAAAAAAAAAAAAAAAAAAAAAAAAAAAAAAAAAAAAAAAAAAAAAAAAAAAAAAAAAAAAAAAAAAAAAAAAAAAAAAAAAAAAAAAAAAAAAAAAAAAAAAAAAAAFAAAADwAAAAAAAAAAAAAAAAAAAkUAAAAAQAAABQAAAAUAAAAFAAAAAEAAAAAAAAAZAAAAGQAAAAAAAAAZAAAAGQAAAAVAAAAYAAAAAAAAAAAAAAADwAAACADAAAAAAAAAAAAAAEAAACgMgAAVgcAAKr4//8BAAAAf39/AAEAAABkAAAAAAAAABQAAABAHwAAAAAAACYAAAAAAAAAwOD//wAAAAAmAAAAZAAAABYAAABMAAAAAAAAAAAAAAAEAAAAAAAAAAEAAADn5uYKAAAAACgAAAAoAAAAZAAAAGQAAAAAAAAAzMzMAAAAAABQAAAAUAAAAGQAAABkAAAAAAAAABcAAAAUAAAAAAAAAAAAAAD/fwAA/38AAAAAAAAJAAAABAAAAAAAAAAeAAAAaAAAAAAAAAAAAAAAAAAAAAAAAAAAAAAAECcAABAnAAAAAAAAAAAAAAAAAAAAAAAAAAAAAAAAAAAAAAAAAAAAABQAAAAAAAAAwMD/AAAAAABkAAAAMgAAAAAAAABkAAAAAAAAAH9/fwAKAAAAIgAAABgAAAAAAAAAAAAAAAAAAAAAAAAAAAAAAAAAAAAkAAAAJAAAAAAAAAAHAAAAAAAAAAAAAAAAAAAAAAAAAAAAAAAAAAAAf39/ACUAAABYAAAAAAAAAAAAAAAAAAAAAAAAAAAAAAAAAAAAAAAAAAAAAAAAAAAAAAAAAAAAAAA/AAAAAAAAAKCGAQAAAAAAAAAAAAAAAAAMAAAAAQAAAAAAAAAAAAAAAAAAAB8AAABUAAAAAAAABQAAAAEAAAAAAAAAAAAAAAAAAAAAAAAAAAAAAAAAAAAAAAAAAAAAAAJ/f38AAAAAA8zMzADAwP8Af39/AAAAAAAAAAAAAAAAAAAAAAAAAAAAIQAAABgAAAAUAAAAwAMAAK8BAAA/RwAAuggAABAAAAAmAAAACAAAADwgAAAAAAAA"/>
               </a:ext>
             </a:extLst>
           </p:cNvSpPr>
@@ -2974,7 +2977,7 @@
             <a:spLocks noGrp="1" noChangeArrowheads="1"/>
             <a:extLst>
               <a:ext uri="smNativeData">
-                <pr:smNativeData xmlns="smNativeData" xmlns:pr="smNativeData" xmlns:p15="http://schemas.microsoft.com/office/powerpoint/2012/main" xmlns:p14="http://schemas.microsoft.com/office/powerpoint/2010/main" xmlns:mc="http://schemas.openxmlformats.org/markup-compatibility/2006" val="SMDATA_15_q5OGZBMAAAAlAAAAZAAAAA0AAAAAAAAAAAAAAAAAAAAAAAAAAAAAAAABAAAAAAAAAAEAAABQAAAAAAAAAAAA4D8AAAAAAADgPwAAAAAAAOA/AAAAAAAA4D8AAAAAAADgPwAAAAAAAOA/AAAAAAAA4D8AAAAAAADgPwAAAAAAAOA/AAAAAAAA4D8CAAAAjAAAAAAAAAAAAAAARHLEDP///wgAAAAAAAAAAAAAAAAAAAAAAAAAAAAAAAAAAAAAZAAAAAEAAABAAAAAAAAAAAAAAAAAAAAAAAAAAAAAAAAAAAAAAAAAAAAAAAAAAAAAAAAAAAAAAAAAAAAAAAAAAAAAAAAAAAAAAAAAAAAAAAAAAAAAAAAAAAAAAAAAAAAAFAAAADwAAAAAAAAAAAAAAAAAAAkUAAAAAQAAABQAAAAUAAAAFAAAAAEAAAAAAAAAZAAAAGQAAAAAAAAAZAAAAGQAAAAVAAAAYAAAAAAAAAAAAAAADwAAACADAAAAAAAAAAAAAAEAAACgMgAAVgcAAKr4//8BAAAAf39/AAEAAABkAAAAAAAAABQAAABAHwAAAAAAACYAAAAAAAAAwOD//wAAAAAmAAAAZAAAABYAAABMAAAAAAAAAAAAAAAEAAAAAAAAAAEAAADn5uYKAAAAACgAAAAoAAAAZAAAAGQAAAAAAAAAzMzMAAAAAABQAAAAUAAAAGQAAABkAAAAAAAAABcAAAAUAAAAAAAAAAAAAAD/fwAA/38AAAAAAAAJAAAABAAAAAAAAAAeAAAAaAAAAAAAAAAAAAAAAAAAAAAAAAAAAAAAECcAABAnAAAAAAAAAAAAAAAAAAAAAAAAAAAAAAAAAAAAAAAAAAAAABQAAAAAAAAAwMD/AAAAAABkAAAAMgAAAAAAAABkAAAAAAAAAH9/fwAKAAAAIgAAABgAAAAAAAAAAAAAAAAAAAAAAAAAAAAAAAAAAAAkAAAAJAAAAAAAAAAHAAAAAAAAAAAAAAAAAAAAAAAAAAAAAAAAAAAAf39/ACUAAABYAAAAAAAAAAAAAAAAAAAAAAAAAAAAAAAAAAAAAAAAAAAAAAAAAAAAAAAAAAAAAAA/AAAAAAAAAKCGAQAAAAAAAAAAAAAAAAAMAAAAAQAAAAAAAAAAAAAAAAAAAB8AAABUAAAAAAAABQAAAAEAAAAAAAAAAAAAAAAAAAAAAAAAAAAAAAAAAAAAAAAAAAAAAAJ/f38AAAAAA8zMzADAwP8Af39/AAAAAAAAAAAAAAAAAAAAAAAAAAAAIQAAABgAAAAUAAAAwAMAAK8BAAA/RwAAuggAABAAAAAmAAAACAAAAD0gAAAAAAAA"/>
+                <pr:smNativeData xmlns:mc="http://schemas.openxmlformats.org/markup-compatibility/2006" xmlns:p14="http://schemas.microsoft.com/office/powerpoint/2010/main" xmlns:p15="http://schemas.microsoft.com/office/powerpoint/2012/main" xmlns:pr="smNativeData" xmlns="smNativeData" val="SMDATA_15_q5OGZBMAAAAlAAAAZAAAAA0AAAAAAAAAAAAAAAAAAAAAAAAAAAAAAAABAAAAAAAAAAEAAABQAAAAAAAAAAAA4D8AAAAAAADgPwAAAAAAAOA/AAAAAAAA4D8AAAAAAADgPwAAAAAAAOA/AAAAAAAA4D8AAAAAAADgPwAAAAAAAOA/AAAAAAAA4D8CAAAAjAAAAAAAAAAAAAAARHLEDP///wgAAAAAAAAAAAAAAAAAAAAAAAAAAAAAAAAAAAAAZAAAAAEAAABAAAAAAAAAAAAAAAAAAAAAAAAAAAAAAAAAAAAAAAAAAAAAAAAAAAAAAAAAAAAAAAAAAAAAAAAAAAAAAAAAAAAAAAAAAAAAAAAAAAAAAAAAAAAAAAAAAAAAFAAAADwAAAAAAAAAAAAAAAAAAAkUAAAAAQAAABQAAAAUAAAAFAAAAAEAAAAAAAAAZAAAAGQAAAAAAAAAZAAAAGQAAAAVAAAAYAAAAAAAAAAAAAAADwAAACADAAAAAAAAAAAAAAEAAACgMgAAVgcAAKr4//8BAAAAf39/AAEAAABkAAAAAAAAABQAAABAHwAAAAAAACYAAAAAAAAAwOD//wAAAAAmAAAAZAAAABYAAABMAAAAAAAAAAAAAAAEAAAAAAAAAAEAAADn5uYKAAAAACgAAAAoAAAAZAAAAGQAAAAAAAAAzMzMAAAAAABQAAAAUAAAAGQAAABkAAAAAAAAABcAAAAUAAAAAAAAAAAAAAD/fwAA/38AAAAAAAAJAAAABAAAAAAAAAAeAAAAaAAAAAAAAAAAAAAAAAAAAAAAAAAAAAAAECcAABAnAAAAAAAAAAAAAAAAAAAAAAAAAAAAAAAAAAAAAAAAAAAAABQAAAAAAAAAwMD/AAAAAABkAAAAMgAAAAAAAABkAAAAAAAAAH9/fwAKAAAAIgAAABgAAAAAAAAAAAAAAAAAAAAAAAAAAAAAAAAAAAAkAAAAJAAAAAAAAAAHAAAAAAAAAAAAAAAAAAAAAAAAAAAAAAAAAAAAf39/ACUAAABYAAAAAAAAAAAAAAAAAAAAAAAAAAAAAAAAAAAAAAAAAAAAAAAAAAAAAAAAAAAAAAA/AAAAAAAAAKCGAQAAAAAAAAAAAAAAAAAMAAAAAQAAAAAAAAAAAAAAAAAAAB8AAABUAAAAAAAABQAAAAEAAAAAAAAAAAAAAAAAAAAAAAAAAAAAAAAAAAAAAAAAAAAAAAJ/f38AAAAAA8zMzADAwP8Af39/AAAAAAAAAAAAAAAAAAAAAAAAAAAAIQAAABgAAAAUAAAAwAMAAK8BAAA/RwAAuggAABAAAAAmAAAACAAAAD0gAAAAAAAA"/>
               </a:ext>
             </a:extLst>
           </p:cNvSpPr>
@@ -3010,7 +3013,7 @@
             <a:spLocks noGrp="1" noChangeArrowheads="1"/>
             <a:extLst>
               <a:ext uri="smNativeData">
-                <pr:smNativeData xmlns="smNativeData" xmlns:pr="smNativeData" xmlns:p15="http://schemas.microsoft.com/office/powerpoint/2012/main" xmlns:p14="http://schemas.microsoft.com/office/powerpoint/2010/main" xmlns:mc="http://schemas.openxmlformats.org/markup-compatibility/2006" val="SMDATA_15_q5OGZBMAAAAlAAAAZAAAAA0AAAAAAAAAAAAAAAAAAAAAAAAAAAAAAAAAAAAAAAAAAAEAAABQAAAAAAAAAAAA4D8AAAAAAADgPwAAAAAAAOA/AAAAAAAA4D8AAAAAAADgPwAAAAAAAOA/AAAAAAAA4D8AAAAAAADgPwAAAAAAAOA/AAAAAAAA4D8CAAAAjAAAAAAAAAAAAAAARHLEDP///wgAAAAAAAAAAAAAAAAAAAAAAAAAAAAAAAAAAAAAZAAAAAEAAABAAAAAAAAAAAAAAAAAAAAAAAAAAAAAAAAAAAAAAAAAAAAAAAAAAAAAAAAAAAAAAAAAAAAAAAAAAAAAAAAAAAAAAAAAAAAAAAAAAAAAAAAAAAAAAAAAAAAAFAAAADwAAAAAAAAAAAAAAAAAAAkUAAAAAQAAABQAAAAUAAAAFAAAAAEAAAAAAAAAZAAAAGQAAAAAAAAAZAAAAGQAAAAVAAAAYAAAAAAAAAAAAAAADwAAACADAAAAAAAAAAAAAAEAAACgMgAAVgcAAKr4//8BAAAAf39/AAEAAABkAAAAAAAAABQAAABAHwAAAAAAACYAAAAAAAAAwOD//wAAAAAmAAAAZAAAABYAAABMAAAAAAAAAAAAAAAEAAAAAAAAAAEAAADn5uYKAAAAACgAAAAoAAAAZAAAAGQAAAAAAAAAzMzMAAAAAABQAAAAUAAAAGQAAABkAAAAAAAAABcAAAAUAAAAAAAAAAAAAAD/fwAA/38AAAAAAAAJAAAABAAAAAAAAAAeAAAAaAAAAAAAAAAAAAAAAAAAAAAAAAAAAAAAECcAABAnAAAAAAAAAAAAAAAAAAAAAAAAAAAAAAAAAAAAAAAAAAAAABQAAAAAAAAAwMD/AAAAAABkAAAAMgAAAAAAAABkAAAAAAAAAH9/fwAKAAAAIgAAABgAAAAAAAAAAAAAAAAAAAAAAAAAAAAAAAAAAAAkAAAAJAAAAAAAAAAHAAAAAAAAAAAAAAAAAAAAAAAAAAAAAAAAAAAAf39/ACUAAABYAAAAAAAAAAAAAAAAAAAAAAAAAAAAAAAAAAAAAAAAAAAAAAAAAAAAAAAAAAAAAAA/AAAAAAAAAKCGAQAAAAAAAAAAAAAAAAAMAAAAAQAAAAAAAAAAAAAAAAAAAB8AAABUAAAAAAAABQAAAAEAAAAAAAAAAAAAAAAAAAAAAAAAAAAAAAAAAAAAAAAAAAAAAAJ/f38AAAAAA8zMzADAwP8Af39/AAAAAAAAAAAAAAAAAAAAAAAAAAAAIQAAABgAAAAUAAAAwAMAAN8JAAA/RwAAViIAABAAAAAmAAAACAAAADwgAAAAAAAA"/>
+                <pr:smNativeData xmlns:mc="http://schemas.openxmlformats.org/markup-compatibility/2006" xmlns:p14="http://schemas.microsoft.com/office/powerpoint/2010/main" xmlns:p15="http://schemas.microsoft.com/office/powerpoint/2012/main" xmlns:pr="smNativeData" xmlns="smNativeData" val="SMDATA_15_q5OGZBMAAAAlAAAAZAAAAA0AAAAAAAAAAAAAAAAAAAAAAAAAAAAAAAAAAAAAAAAAAAEAAABQAAAAAAAAAAAA4D8AAAAAAADgPwAAAAAAAOA/AAAAAAAA4D8AAAAAAADgPwAAAAAAAOA/AAAAAAAA4D8AAAAAAADgPwAAAAAAAOA/AAAAAAAA4D8CAAAAjAAAAAAAAAAAAAAARHLEDP///wgAAAAAAAAAAAAAAAAAAAAAAAAAAAAAAAAAAAAAZAAAAAEAAABAAAAAAAAAAAAAAAAAAAAAAAAAAAAAAAAAAAAAAAAAAAAAAAAAAAAAAAAAAAAAAAAAAAAAAAAAAAAAAAAAAAAAAAAAAAAAAAAAAAAAAAAAAAAAAAAAAAAAFAAAADwAAAAAAAAAAAAAAAAAAAkUAAAAAQAAABQAAAAUAAAAFAAAAAEAAAAAAAAAZAAAAGQAAAAAAAAAZAAAAGQAAAAVAAAAYAAAAAAAAAAAAAAADwAAACADAAAAAAAAAAAAAAEAAACgMgAAVgcAAKr4//8BAAAAf39/AAEAAABkAAAAAAAAABQAAABAHwAAAAAAACYAAAAAAAAAwOD//wAAAAAmAAAAZAAAABYAAABMAAAAAAAAAAAAAAAEAAAAAAAAAAEAAADn5uYKAAAAACgAAAAoAAAAZAAAAGQAAAAAAAAAzMzMAAAAAABQAAAAUAAAAGQAAABkAAAAAAAAABcAAAAUAAAAAAAAAAAAAAD/fwAA/38AAAAAAAAJAAAABAAAAAAAAAAeAAAAaAAAAAAAAAAAAAAAAAAAAAAAAAAAAAAAECcAABAnAAAAAAAAAAAAAAAAAAAAAAAAAAAAAAAAAAAAAAAAAAAAABQAAAAAAAAAwMD/AAAAAABkAAAAMgAAAAAAAABkAAAAAAAAAH9/fwAKAAAAIgAAABgAAAAAAAAAAAAAAAAAAAAAAAAAAAAAAAAAAAAkAAAAJAAAAAAAAAAHAAAAAAAAAAAAAAAAAAAAAAAAAAAAAAAAAAAAf39/ACUAAABYAAAAAAAAAAAAAAAAAAAAAAAAAAAAAAAAAAAAAAAAAAAAAAAAAAAAAAAAAAAAAAA/AAAAAAAAAKCGAQAAAAAAAAAAAAAAAAAMAAAAAQAAAAAAAAAAAAAAAAAAAB8AAABUAAAAAAAABQAAAAEAAAAAAAAAAAAAAAAAAAAAAAAAAAAAAAAAAAAAAAAAAAAAAAJ/f38AAAAAA8zMzADAwP8Af39/AAAAAAAAAAAAAAAAAAAAAAAAAAAAIQAAABgAAAAUAAAAwAMAAN8JAAA/RwAAViIAABAAAAAmAAAACAAAADwgAAAAAAAA"/>
               </a:ext>
             </a:extLst>
           </p:cNvSpPr>
@@ -3066,7 +3069,7 @@
             <a:spLocks noGrp="1" noChangeArrowheads="1"/>
             <a:extLst>
               <a:ext uri="smNativeData">
-                <pr:smNativeData xmlns="smNativeData" xmlns:pr="smNativeData" xmlns:p15="http://schemas.microsoft.com/office/powerpoint/2012/main" xmlns:p14="http://schemas.microsoft.com/office/powerpoint/2010/main" xmlns:mc="http://schemas.openxmlformats.org/markup-compatibility/2006" val="SMDATA_15_q5OGZBMAAAAlAAAAZAAAAA0AAAAAAAAAAAAAAAAAAAAAAAAAAAAAAAABAAAAAAAAAAEAAABQAAAAAAAAAAAA4D8AAAAAAADgPwAAAAAAAOA/AAAAAAAA4D8AAAAAAADgPwAAAAAAAOA/AAAAAAAA4D8AAAAAAADgPwAAAAAAAOA/AAAAAAAA4D8CAAAAjAAAAAAAAAAAAAAARHLEDP///wgAAAAAAAAAAAAAAAAAAAAAAAAAAAAAAAAAAAAAZAAAAAEAAABAAAAAAAAAAAAAAAAAAAAAAAAAAAAAAAAAAAAAAAAAAAAAAAAAAAAAAAAAAAAAAAAAAAAAAAAAAAAAAAAAAAAAAAAAAAAAAAAAAAAAAAAAAAAAAAAAAAAAFAAAADwAAAAAAAAAAAAAAAAAAAkUAAAAAQAAABQAAAAUAAAAFAAAAAEAAAAAAAAAZAAAAGQAAAAAAAAAZAAAAGQAAAAVAAAAYAAAAAAAAAAAAAAADwAAACADAAAAAAAAAAAAAAEAAACgMgAAVgcAAKr4//8BAAAAf39/AAEAAABkAAAAAAAAABQAAABAHwAAAAAAACYAAAAAAAAAwOD//wAAAAAmAAAAZAAAABYAAABMAAAAAAAAAAAAAAAEAAAAAAAAAAEAAADn5uYKAAAAACgAAAAoAAAAZAAAAGQAAAAAAAAAzMzMAAAAAABQAAAAUAAAAGQAAABkAAAAAAAAABcAAAAUAAAAAAAAAAAAAAD/fwAA/38AAAAAAAAJAAAABAAAACwG9gAeAAAAaAAAAAAAAAAAAAAAAAAAAAAAAAAAAAAAECcAABAnAAAAAAAAAAAAAAAAAAAAAAAAAAAAAAAAAAAAAAAAAAAAABQAAAAAAAAAwMD/AAAAAABkAAAAMgAAAAAAAABkAAAAAAAAAH9/fwAKAAAAIgAAABgAAAAAAAAAAAAAAAAAAAAAAAAAAAAAAAAAAAAkAAAAJAAAAAAAAAAHAAAAAAAAAAAAAAAAAAAAAAAAAAAAAAAAAAAAf39/ACUAAABYAAAAAAAAAAAAAAAAAAAAAAAAAAAAAAAAAAAAAAAAAAAAAAAAAAAAAAAAAAAAAAA/AAAAAAAAAKCGAQAAAAAAAAAAAAAAAAAMAAAAAQAAAAAAAAAAAAAAAAAAAB8AAABUAAAAAAAABQAAAAEAAAAAAAAAAAAAAAAAAAAAAAAAAAAAAAAAAAAAAAAAAAAAAAJ/f38AAAAAA8zMzADAwP8Af39/AAAAAAAAAAAAAAAAAAAAAAAAAAAAIQAAABgAAAAUAAAAwAMAAK8BAAA/RwAAViIAABAAAAAmAAAACAAAAL0gAAAAAAAA"/>
+                <pr:smNativeData xmlns:mc="http://schemas.openxmlformats.org/markup-compatibility/2006" xmlns:p14="http://schemas.microsoft.com/office/powerpoint/2010/main" xmlns:p15="http://schemas.microsoft.com/office/powerpoint/2012/main" xmlns:pr="smNativeData" xmlns="smNativeData" val="SMDATA_15_q5OGZBMAAAAlAAAAZAAAAA0AAAAAAAAAAAAAAAAAAAAAAAAAAAAAAAABAAAAAAAAAAEAAABQAAAAAAAAAAAA4D8AAAAAAADgPwAAAAAAAOA/AAAAAAAA4D8AAAAAAADgPwAAAAAAAOA/AAAAAAAA4D8AAAAAAADgPwAAAAAAAOA/AAAAAAAA4D8CAAAAjAAAAAAAAAAAAAAARHLEDP///wgAAAAAAAAAAAAAAAAAAAAAAAAAAAAAAAAAAAAAZAAAAAEAAABAAAAAAAAAAAAAAAAAAAAAAAAAAAAAAAAAAAAAAAAAAAAAAAAAAAAAAAAAAAAAAAAAAAAAAAAAAAAAAAAAAAAAAAAAAAAAAAAAAAAAAAAAAAAAAAAAAAAAFAAAADwAAAAAAAAAAAAAAAAAAAkUAAAAAQAAABQAAAAUAAAAFAAAAAEAAAAAAAAAZAAAAGQAAAAAAAAAZAAAAGQAAAAVAAAAYAAAAAAAAAAAAAAADwAAACADAAAAAAAAAAAAAAEAAACgMgAAVgcAAKr4//8BAAAAf39/AAEAAABkAAAAAAAAABQAAABAHwAAAAAAACYAAAAAAAAAwOD//wAAAAAmAAAAZAAAABYAAABMAAAAAAAAAAAAAAAEAAAAAAAAAAEAAADn5uYKAAAAACgAAAAoAAAAZAAAAGQAAAAAAAAAzMzMAAAAAABQAAAAUAAAAGQAAABkAAAAAAAAABcAAAAUAAAAAAAAAAAAAAD/fwAA/38AAAAAAAAJAAAABAAAACwG9gAeAAAAaAAAAAAAAAAAAAAAAAAAAAAAAAAAAAAAECcAABAnAAAAAAAAAAAAAAAAAAAAAAAAAAAAAAAAAAAAAAAAAAAAABQAAAAAAAAAwMD/AAAAAABkAAAAMgAAAAAAAABkAAAAAAAAAH9/fwAKAAAAIgAAABgAAAAAAAAAAAAAAAAAAAAAAAAAAAAAAAAAAAAkAAAAJAAAAAAAAAAHAAAAAAAAAAAAAAAAAAAAAAAAAAAAAAAAAAAAf39/ACUAAABYAAAAAAAAAAAAAAAAAAAAAAAAAAAAAAAAAAAAAAAAAAAAAAAAAAAAAAAAAAAAAAA/AAAAAAAAAKCGAQAAAAAAAAAAAAAAAAAMAAAAAQAAAAAAAAAAAAAAAAAAAB8AAABUAAAAAAAABQAAAAEAAAAAAAAAAAAAAAAAAAAAAAAAAAAAAAAAAAAAAAAAAAAAAAJ/f38AAAAAA8zMzADAwP8Af39/AAAAAAAAAAAAAAAAAAAAAAAAAAAAIQAAABgAAAAUAAAAwAMAAK8BAAA/RwAAViIAABAAAAAmAAAACAAAAL0gAAAAAAAA"/>
               </a:ext>
             </a:extLst>
           </p:cNvSpPr>
@@ -3127,7 +3130,7 @@
             <a:spLocks noGrp="1" noChangeArrowheads="1"/>
             <a:extLst>
               <a:ext uri="smNativeData">
-                <pr:smNativeData xmlns="smNativeData" xmlns:pr="smNativeData" xmlns:p15="http://schemas.microsoft.com/office/powerpoint/2012/main" xmlns:p14="http://schemas.microsoft.com/office/powerpoint/2010/main" xmlns:mc="http://schemas.openxmlformats.org/markup-compatibility/2006" val="SMDATA_15_q5OGZBMAAAAlAAAAZAAAAA0AAAAAAAAAAAAAAAAAAAAAAAAAAAAAAAABAAAAAAAAAAEAAABQAAAAAAAAAAAA4D8AAAAAAADgPwAAAAAAAOA/AAAAAAAA4D8AAAAAAADgPwAAAAAAAOA/AAAAAAAA4D8AAAAAAADgPwAAAAAAAOA/AAAAAAAA4D8CAAAAjAAAAAAAAAAAAAAARHLEDP///wgAAAAAAAAAAAAAAAAAAAAAAAAAAAAAAAAAAAAAZAAAAAEAAABAAAAAAAAAAAAAAAAAAAAAAAAAAAAAAAAAAAAAAAAAAAAAAAAAAAAAAAAAAAAAAAAAAAAAAAAAAAAAAAAAAAAAAAAAAAAAAAAAAAAAAAAAAAAAAAAAAAAAFAAAADwAAAAAAAAAAAAAAAAAAAkUAAAAAQAAABQAAAAUAAAAFAAAAAEAAAAAAAAAZAAAAGQAAAAAAAAAZAAAAGQAAAAVAAAAYAAAAAAAAAAAAAAADwAAACADAAAAAAAAAAAAAAEAAACgMgAAVgcAAKr4//8BAAAAf39/AAEAAABkAAAAAAAAABQAAABAHwAAAAAAACYAAAAAAAAAwOD//wAAAAAmAAAAZAAAABYAAABMAAAAAAAAAAAAAAAEAAAAAAAAAAEAAADn5uYKAAAAACgAAAAoAAAAZAAAAGQAAAAAAAAAzMzMAAAAAABQAAAAUAAAAGQAAABkAAAAAAAAABcAAAAUAAAAAAAAAAAAAAD/fwAA/38AAAAAAAAJAAAABAAAAAAAAAAeAAAAaAAAAAAAAAAAAAAAAAAAAAAAAAAAAAAAECcAABAnAAAAAAAAAAAAAAAAAAAAAAAAAAAAAAAAAAAAAAAAAAAAABQAAAAAAAAAwMD/AAAAAABkAAAAMgAAAAAAAABkAAAAAAAAAH9/fwAKAAAAIgAAABgAAAAAAAAAAAAAAAAAAAAAAAAAAAAAAAAAAAAkAAAAJAAAAAAAAAAHAAAAAAAAAAAAAAAAAAAAAAAAAAAAAAAAAAAAf39/ACUAAABYAAAAAAAAAAAAAAAAAAAAAAAAAAAAAAAAAAAAAAAAAAAAAAAAAAAAAAAAAAAAAAA/AAAAAAAAAKCGAQAAAAAAAAAAAAAAAAAMAAAAAQAAAAAAAAAAAAAAAAAAAB8AAABUAAAAAAAABQAAAAEAAAAAAAAAAAAAAAAAAAAAAAAAAAAAAAAAAAAAAAAAAAAAAAJ/f38AAAAAA8zMzADAwP8Af39/AAAAAAAAAAAAAAAAAAAAAAAAAAAAIQAAABgAAAAUAAAAwAMAAK8BAAA/RwAAuggAABAAAAAmAAAACAAAADwgAAAAAAAA"/>
+                <pr:smNativeData xmlns:mc="http://schemas.openxmlformats.org/markup-compatibility/2006" xmlns:p14="http://schemas.microsoft.com/office/powerpoint/2010/main" xmlns:p15="http://schemas.microsoft.com/office/powerpoint/2012/main" xmlns:pr="smNativeData" xmlns="smNativeData" val="SMDATA_15_q5OGZBMAAAAlAAAAZAAAAA0AAAAAAAAAAAAAAAAAAAAAAAAAAAAAAAABAAAAAAAAAAEAAABQAAAAAAAAAAAA4D8AAAAAAADgPwAAAAAAAOA/AAAAAAAA4D8AAAAAAADgPwAAAAAAAOA/AAAAAAAA4D8AAAAAAADgPwAAAAAAAOA/AAAAAAAA4D8CAAAAjAAAAAAAAAAAAAAARHLEDP///wgAAAAAAAAAAAAAAAAAAAAAAAAAAAAAAAAAAAAAZAAAAAEAAABAAAAAAAAAAAAAAAAAAAAAAAAAAAAAAAAAAAAAAAAAAAAAAAAAAAAAAAAAAAAAAAAAAAAAAAAAAAAAAAAAAAAAAAAAAAAAAAAAAAAAAAAAAAAAAAAAAAAAFAAAADwAAAAAAAAAAAAAAAAAAAkUAAAAAQAAABQAAAAUAAAAFAAAAAEAAAAAAAAAZAAAAGQAAAAAAAAAZAAAAGQAAAAVAAAAYAAAAAAAAAAAAAAADwAAACADAAAAAAAAAAAAAAEAAACgMgAAVgcAAKr4//8BAAAAf39/AAEAAABkAAAAAAAAABQAAABAHwAAAAAAACYAAAAAAAAAwOD//wAAAAAmAAAAZAAAABYAAABMAAAAAAAAAAAAAAAEAAAAAAAAAAEAAADn5uYKAAAAACgAAAAoAAAAZAAAAGQAAAAAAAAAzMzMAAAAAABQAAAAUAAAAGQAAABkAAAAAAAAABcAAAAUAAAAAAAAAAAAAAD/fwAA/38AAAAAAAAJAAAABAAAAAAAAAAeAAAAaAAAAAAAAAAAAAAAAAAAAAAAAAAAAAAAECcAABAnAAAAAAAAAAAAAAAAAAAAAAAAAAAAAAAAAAAAAAAAAAAAABQAAAAAAAAAwMD/AAAAAABkAAAAMgAAAAAAAABkAAAAAAAAAH9/fwAKAAAAIgAAABgAAAAAAAAAAAAAAAAAAAAAAAAAAAAAAAAAAAAkAAAAJAAAAAAAAAAHAAAAAAAAAAAAAAAAAAAAAAAAAAAAAAAAAAAAf39/ACUAAABYAAAAAAAAAAAAAAAAAAAAAAAAAAAAAAAAAAAAAAAAAAAAAAAAAAAAAAAAAAAAAAA/AAAAAAAAAKCGAQAAAAAAAAAAAAAAAAAMAAAAAQAAAAAAAAAAAAAAAAAAAB8AAABUAAAAAAAABQAAAAEAAAAAAAAAAAAAAAAAAAAAAAAAAAAAAAAAAAAAAAAAAAAAAAJ/f38AAAAAA8zMzADAwP8Af39/AAAAAAAAAAAAAAAAAAAAAAAAAAAAIQAAABgAAAAUAAAAwAMAAK8BAAA/RwAAuggAABAAAAAmAAAACAAAADwgAAAAAAAA"/>
               </a:ext>
             </a:extLst>
           </p:cNvSpPr>
@@ -3158,7 +3161,7 @@
             <a:spLocks noGrp="1" noChangeArrowheads="1"/>
             <a:extLst>
               <a:ext uri="smNativeData">
-                <pr:smNativeData xmlns="smNativeData" xmlns:pr="smNativeData" xmlns:p15="http://schemas.microsoft.com/office/powerpoint/2012/main" xmlns:p14="http://schemas.microsoft.com/office/powerpoint/2010/main" xmlns:mc="http://schemas.openxmlformats.org/markup-compatibility/2006" val="SMDATA_15_q5OGZBMAAAAlAAAAZAAAAA0AAAAAAAAAAAAAAAAAAAAAAAAAAAAAAAAAAAAAAAAAAAEAAABQAAAAAAAAAAAA4D8AAAAAAADgPwAAAAAAAOA/AAAAAAAA4D8AAAAAAADgPwAAAAAAAOA/AAAAAAAA4D8AAAAAAADgPwAAAAAAAOA/AAAAAAAA4D8CAAAAjAAAAAAAAAAAAAAARHLEDP///wgAAAAAAAAAAAAAAAAAAAAAAAAAAAAAAAAAAAAAZAAAAAEAAABAAAAAAAAAAAAAAAAAAAAAAAAAAAAAAAAAAAAAAAAAAAAAAAAAAAAAAAAAAAAAAAAAAAAAAAAAAAAAAAAAAAAAAAAAAAAAAAAAAAAAAAAAAAAAAAAAAAAAFAAAADwAAAAAAAAAAAAAAAAAAAkUAAAAAQAAABQAAAAUAAAAFAAAAAEAAAAAAAAAZAAAAGQAAAAAAAAAZAAAAGQAAAAVAAAAYAAAAAAAAAAAAAAADwAAACADAAAAAAAAAAAAAAEAAACgMgAAVgcAAKr4//8BAAAAf39/AAEAAABkAAAAAAAAABQAAABAHwAAAAAAACYAAAAAAAAAwOD//wAAAAAmAAAAZAAAABYAAABMAAAAAAAAAAAAAAAEAAAAAAAAAAEAAADn5uYKAAAAACgAAAAoAAAAZAAAAGQAAAAAAAAAzMzMAAAAAABQAAAAUAAAAGQAAABkAAAAAAAAABcAAAAUAAAAAAAAAAAAAAD/fwAA/38AAAAAAAAJAAAABAAAAEiqCAEeAAAAaAAAAAAAAAAAAAAAAAAAAAAAAAAAAAAAECcAABAnAAAAAAAAAAAAAAAAAAAAAAAAAAAAAAAAAAAAAAAAAAAAABQAAAAAAAAAwMD/AAAAAABkAAAAMgAAAAAAAABkAAAAAAAAAH9/fwAKAAAAIgAAABgAAAAAAAAAAAAAAAAAAAAAAAAAAAAAAAAAAAAkAAAAJAAAAAAAAAAHAAAAAAAAAAAAAAAAAAAAAAAAAAAAAAAAAAAAf39/ACUAAABYAAAAAAAAAAAAAAAAAAAAAAAAAAAAAAAAAAAAAAAAAAAAAAAAAAAAAAAAAAAAAAA/AAAAAAAAAKCGAQAAAAAAAAAAAAAAAAAMAAAAAQAAAAAAAAAAAAAAAAAAAB8AAABUAAAAAAAABQAAAAEAAAAAAAAAAAAAAAAAAAAAAAAAAAAAAAAAAAAAAAAAAAAAAAJ/f38AAAAAA8zMzADAwP8Af39/AAAAAAAAAAAAAAAAAAAAAAAAAAAAIQAAABgAAAAUAAAAwAMAAN8JAACwJAAAihUAABAAAAAmAAAACAAAAD0gAAAAAAAA"/>
+                <pr:smNativeData xmlns:mc="http://schemas.openxmlformats.org/markup-compatibility/2006" xmlns:p14="http://schemas.microsoft.com/office/powerpoint/2010/main" xmlns:p15="http://schemas.microsoft.com/office/powerpoint/2012/main" xmlns:pr="smNativeData" xmlns="smNativeData" val="SMDATA_15_q5OGZBMAAAAlAAAAZAAAAA0AAAAAAAAAAAAAAAAAAAAAAAAAAAAAAAAAAAAAAAAAAAEAAABQAAAAAAAAAAAA4D8AAAAAAADgPwAAAAAAAOA/AAAAAAAA4D8AAAAAAADgPwAAAAAAAOA/AAAAAAAA4D8AAAAAAADgPwAAAAAAAOA/AAAAAAAA4D8CAAAAjAAAAAAAAAAAAAAARHLEDP///wgAAAAAAAAAAAAAAAAAAAAAAAAAAAAAAAAAAAAAZAAAAAEAAABAAAAAAAAAAAAAAAAAAAAAAAAAAAAAAAAAAAAAAAAAAAAAAAAAAAAAAAAAAAAAAAAAAAAAAAAAAAAAAAAAAAAAAAAAAAAAAAAAAAAAAAAAAAAAAAAAAAAAFAAAADwAAAAAAAAAAAAAAAAAAAkUAAAAAQAAABQAAAAUAAAAFAAAAAEAAAAAAAAAZAAAAGQAAAAAAAAAZAAAAGQAAAAVAAAAYAAAAAAAAAAAAAAADwAAACADAAAAAAAAAAAAAAEAAACgMgAAVgcAAKr4//8BAAAAf39/AAEAAABkAAAAAAAAABQAAABAHwAAAAAAACYAAAAAAAAAwOD//wAAAAAmAAAAZAAAABYAAABMAAAAAAAAAAAAAAAEAAAAAAAAAAEAAADn5uYKAAAAACgAAAAoAAAAZAAAAGQAAAAAAAAAzMzMAAAAAABQAAAAUAAAAGQAAABkAAAAAAAAABcAAAAUAAAAAAAAAAAAAAD/fwAA/38AAAAAAAAJAAAABAAAAEiqCAEeAAAAaAAAAAAAAAAAAAAAAAAAAAAAAAAAAAAAECcAABAnAAAAAAAAAAAAAAAAAAAAAAAAAAAAAAAAAAAAAAAAAAAAABQAAAAAAAAAwMD/AAAAAABkAAAAMgAAAAAAAABkAAAAAAAAAH9/fwAKAAAAIgAAABgAAAAAAAAAAAAAAAAAAAAAAAAAAAAAAAAAAAAkAAAAJAAAAAAAAAAHAAAAAAAAAAAAAAAAAAAAAAAAAAAAAAAAAAAAf39/ACUAAABYAAAAAAAAAAAAAAAAAAAAAAAAAAAAAAAAAAAAAAAAAAAAAAAAAAAAAAAAAAAAAAA/AAAAAAAAAKCGAQAAAAAAAAAAAAAAAAAMAAAAAQAAAAAAAAAAAAAAAAAAAB8AAABUAAAAAAAABQAAAAEAAAAAAAAAAAAAAAAAAAAAAAAAAAAAAAAAAAAAAAAAAAAAAAJ/f38AAAAAA8zMzADAwP8Af39/AAAAAAAAAAAAAAAAAAAAAAAAAAAAIQAAABgAAAAUAAAAwAMAAN8JAACwJAAAihUAABAAAAAmAAAACAAAAD0gAAAAAAAA"/>
               </a:ext>
             </a:extLst>
           </p:cNvSpPr>
@@ -3194,7 +3197,7 @@
             <a:spLocks noGrp="1" noChangeArrowheads="1"/>
             <a:extLst>
               <a:ext uri="smNativeData">
-                <pr:smNativeData xmlns="smNativeData" xmlns:pr="smNativeData" xmlns:p15="http://schemas.microsoft.com/office/powerpoint/2012/main" xmlns:p14="http://schemas.microsoft.com/office/powerpoint/2010/main" xmlns:mc="http://schemas.openxmlformats.org/markup-compatibility/2006" val="SMDATA_15_q5OGZBMAAAAlAAAAZAAAAA0AAAAAAAAAAAAAAAAAAAAAAAAAAAAAAAAAAAAAAAAAAAEAAABQAAAAAAAAAAAA4D8AAAAAAADgPwAAAAAAAOA/AAAAAAAA4D8AAAAAAADgPwAAAAAAAOA/AAAAAAAA4D8AAAAAAADgPwAAAAAAAOA/AAAAAAAA4D8CAAAAjAAAAAAAAAAAAAAARHLEDP///wgAAAAAAAAAAAAAAAAAAAAAAAAAAAAAAAAAAAAAZAAAAAEAAABAAAAAAAAAAAAAAAAAAAAAAAAAAAAAAAAAAAAAAAAAAAAAAAAAAAAAAAAAAAAAAAAAAAAAAAAAAAAAAAAAAAAAAAAAAAAAAAAAAAAAAAAAAAAAAAAAAAAAFAAAADwAAAAAAAAAAAAAAAAAAAkUAAAAAQAAABQAAAAUAAAAFAAAAAEAAAAAAAAAZAAAAGQAAAAAAAAAZAAAAGQAAAAVAAAAYAAAAAAAAAAAAAAADwAAACADAAAAAAAAAAAAAAEAAACgMgAAVgcAAKr4//8BAAAAf39/AAEAAABkAAAAAAAAABQAAABAHwAAAAAAACYAAAAAAAAAwOD//wAAAAAmAAAAZAAAABYAAABMAAAAAAAAAAAAAAAEAAAAAAAAAAEAAADn5uYKAAAAACgAAAAoAAAAZAAAAGQAAAAAAAAAzMzMAAAAAABQAAAAUAAAAGQAAABkAAAAAAAAABcAAAAUAAAAAAAAAAAAAAD/fwAA/38AAAAAAAAJAAAABAAAAF9yZWweAAAAaAAAAAAAAAAAAAAAAAAAAAAAAAAAAAAAECcAABAnAAAAAAAAAAAAAAAAAAAAAAAAAAAAAAAAAAAAAAAAAAAAABQAAAAAAAAAwMD/AAAAAABkAAAAMgAAAAAAAABkAAAAAAAAAH9/fwAKAAAAIgAAABgAAAAAAAAAAAAAAAAAAAAAAAAAAAAAAAAAAAAkAAAAJAAAAAAAAAAHAAAAAAAAAAAAAAAAAAAAAAAAAAAAAAAAAAAAf39/ACUAAABYAAAAAAAAAAAAAAAAAAAAAAAAAAAAAAAAAAAAAAAAAAAAAAAAAAAAAAAAAAAAAAA/AAAAAAAAAKCGAQAAAAAAAAAAAAAAAAAMAAAAAQAAAAAAAAAAAAAAAAAAAB8AAABUAAAAAAAABQAAAAEAAAAAAAAAAAAAAAAAAAAAAAAAAAAAAAAAAAAAAAAAAAAAAAJ/f38AAAAAA8zMzADAwP8Af39/AAAAAAAAAAAAAAAAAAAAAAAAAAAAIQAAABgAAAAUAAAAViYAAN8JAABGRwAAViIAABAAAAAmAAAACAAAAD0gAAAAAAAA"/>
+                <pr:smNativeData xmlns:mc="http://schemas.openxmlformats.org/markup-compatibility/2006" xmlns:p14="http://schemas.microsoft.com/office/powerpoint/2010/main" xmlns:p15="http://schemas.microsoft.com/office/powerpoint/2012/main" xmlns:pr="smNativeData" xmlns="smNativeData" val="SMDATA_15_q5OGZBMAAAAlAAAAZAAAAA0AAAAAAAAAAAAAAAAAAAAAAAAAAAAAAAAAAAAAAAAAAAEAAABQAAAAAAAAAAAA4D8AAAAAAADgPwAAAAAAAOA/AAAAAAAA4D8AAAAAAADgPwAAAAAAAOA/AAAAAAAA4D8AAAAAAADgPwAAAAAAAOA/AAAAAAAA4D8CAAAAjAAAAAAAAAAAAAAARHLEDP///wgAAAAAAAAAAAAAAAAAAAAAAAAAAAAAAAAAAAAAZAAAAAEAAABAAAAAAAAAAAAAAAAAAAAAAAAAAAAAAAAAAAAAAAAAAAAAAAAAAAAAAAAAAAAAAAAAAAAAAAAAAAAAAAAAAAAAAAAAAAAAAAAAAAAAAAAAAAAAAAAAAAAAFAAAADwAAAAAAAAAAAAAAAAAAAkUAAAAAQAAABQAAAAUAAAAFAAAAAEAAAAAAAAAZAAAAGQAAAAAAAAAZAAAAGQAAAAVAAAAYAAAAAAAAAAAAAAADwAAACADAAAAAAAAAAAAAAEAAACgMgAAVgcAAKr4//8BAAAAf39/AAEAAABkAAAAAAAAABQAAABAHwAAAAAAACYAAAAAAAAAwOD//wAAAAAmAAAAZAAAABYAAABMAAAAAAAAAAAAAAAEAAAAAAAAAAEAAADn5uYKAAAAACgAAAAoAAAAZAAAAGQAAAAAAAAAzMzMAAAAAABQAAAAUAAAAGQAAABkAAAAAAAAABcAAAAUAAAAAAAAAAAAAAD/fwAA/38AAAAAAAAJAAAABAAAAF9yZWweAAAAaAAAAAAAAAAAAAAAAAAAAAAAAAAAAAAAECcAABAnAAAAAAAAAAAAAAAAAAAAAAAAAAAAAAAAAAAAAAAAAAAAABQAAAAAAAAAwMD/AAAAAABkAAAAMgAAAAAAAABkAAAAAAAAAH9/fwAKAAAAIgAAABgAAAAAAAAAAAAAAAAAAAAAAAAAAAAAAAAAAAAkAAAAJAAAAAAAAAAHAAAAAAAAAAAAAAAAAAAAAAAAAAAAAAAAAAAAf39/ACUAAABYAAAAAAAAAAAAAAAAAAAAAAAAAAAAAAAAAAAAAAAAAAAAAAAAAAAAAAAAAAAAAAA/AAAAAAAAAKCGAQAAAAAAAAAAAAAAAAAMAAAAAQAAAAAAAAAAAAAAAAAAAB8AAABUAAAAAAAABQAAAAEAAAAAAAAAAAAAAAAAAAAAAAAAAAAAAAAAAAAAAAAAAAAAAAJ/f38AAAAAA8zMzADAwP8Af39/AAAAAAAAAAAAAAAAAAAAAAAAAAAAIQAAABgAAAAUAAAAViYAAN8JAABGRwAAViIAABAAAAAmAAAACAAAAD0gAAAAAAAA"/>
               </a:ext>
             </a:extLst>
           </p:cNvSpPr>
@@ -3230,7 +3233,7 @@
             <a:spLocks noGrp="1" noChangeArrowheads="1"/>
             <a:extLst>
               <a:ext uri="smNativeData">
-                <pr:smNativeData xmlns="smNativeData" xmlns:pr="smNativeData" xmlns:p15="http://schemas.microsoft.com/office/powerpoint/2012/main" xmlns:p14="http://schemas.microsoft.com/office/powerpoint/2010/main" xmlns:mc="http://schemas.openxmlformats.org/markup-compatibility/2006" val="SMDATA_15_q5OGZBMAAAAlAAAAZAAAAA0AAAAAAAAAAAAAAAAAAAAAAAAAAAAAAAAAAAAAAAAAAAEAAABQAAAAAAAAAAAA4D8AAAAAAADgPwAAAAAAAOA/AAAAAAAA4D8AAAAAAADgPwAAAAAAAOA/AAAAAAAA4D8AAAAAAADgPwAAAAAAAOA/AAAAAAAA4D8CAAAAjAAAAAAAAAAAAAAARHLEDP///wgAAAAAAAAAAAAAAAAAAAAAAAAAAAAAAAAAAAAAZAAAAAEAAABAAAAAAAAAAAAAAAAAAAAAAAAAAAAAAAAAAAAAAAAAAAAAAAAAAAAAAAAAAAAAAAAAAAAAAAAAAAAAAAAAAAAAAAAAAAAAAAAAAAAAAAAAAAAAAAAAAAAAFAAAADwAAAAAAAAAAAAAAAAAAAkUAAAAAQAAABQAAAAUAAAAFAAAAAEAAAAAAAAAZAAAAGQAAAAAAAAAZAAAAGQAAAAVAAAAYAAAAAAAAAAAAAAADwAAACADAAAAAAAAAAAAAAEAAACgMgAAVgcAAKr4//8BAAAAf39/AAEAAABkAAAAAAAAABQAAABAHwAAAAAAACYAAAAAAAAAwOD//wAAAAAmAAAAZAAAABYAAABMAAAAAAAAAAAAAAAEAAAAAAAAAAEAAADn5uYKAAAAACgAAAAoAAAAZAAAAGQAAAAAAAAAzMzMAAAAAABQAAAAUAAAAGQAAABkAAAAAAAAABcAAAAUAAAAAAAAAAAAAAD/fwAA/38AAAAAAAAJAAAABAAAAFh74wseAAAAaAAAAAAAAAAAAAAAAAAAAAAAAAAAAAAAECcAABAnAAAAAAAAAAAAAAAAAAAAAAAAAAAAAAAAAAAAAAAAAAAAABQAAAAAAAAAwMD/AAAAAABkAAAAMgAAAAAAAABkAAAAAAAAAH9/fwAKAAAAIgAAABgAAAAAAAAAAAAAAAAAAAAAAAAAAAAAAAAAAAAkAAAAJAAAAAAAAAAHAAAAAAAAAAAAAAAAAAAAAAAAAAAAAAAAAAAAf39/ACUAAABYAAAAAAAAAAAAAAAAAAAAAAAAAAAAAAAAAAAAAAAAAAAAAAAAAAAAAAAAAAAAAAA/AAAAAAAAAKCGAQAAAAAAAAAAAAAAAAAMAAAAAQAAAAAAAAAAAAAAAAAAAB8AAABUAAAAAAAABQAAAAEAAAAAAAAAAAAAAAAAAAAAAAAAAAAAAAAAAAAAAAAAAAAAAAJ/f38AAAAAA8zMzADAwP8Af39/AAAAAAAAAAAAAAAAAAAAAAAAAAAAIQAAABgAAAAUAAAAwAMAAKcWAACwJAAAUiIAABAAAAAmAAAACAAAAD0gAAAAAAAA"/>
+                <pr:smNativeData xmlns:mc="http://schemas.openxmlformats.org/markup-compatibility/2006" xmlns:p14="http://schemas.microsoft.com/office/powerpoint/2010/main" xmlns:p15="http://schemas.microsoft.com/office/powerpoint/2012/main" xmlns:pr="smNativeData" xmlns="smNativeData" val="SMDATA_15_q5OGZBMAAAAlAAAAZAAAAA0AAAAAAAAAAAAAAAAAAAAAAAAAAAAAAAAAAAAAAAAAAAEAAABQAAAAAAAAAAAA4D8AAAAAAADgPwAAAAAAAOA/AAAAAAAA4D8AAAAAAADgPwAAAAAAAOA/AAAAAAAA4D8AAAAAAADgPwAAAAAAAOA/AAAAAAAA4D8CAAAAjAAAAAAAAAAAAAAARHLEDP///wgAAAAAAAAAAAAAAAAAAAAAAAAAAAAAAAAAAAAAZAAAAAEAAABAAAAAAAAAAAAAAAAAAAAAAAAAAAAAAAAAAAAAAAAAAAAAAAAAAAAAAAAAAAAAAAAAAAAAAAAAAAAAAAAAAAAAAAAAAAAAAAAAAAAAAAAAAAAAAAAAAAAAFAAAADwAAAAAAAAAAAAAAAAAAAkUAAAAAQAAABQAAAAUAAAAFAAAAAEAAAAAAAAAZAAAAGQAAAAAAAAAZAAAAGQAAAAVAAAAYAAAAAAAAAAAAAAADwAAACADAAAAAAAAAAAAAAEAAACgMgAAVgcAAKr4//8BAAAAf39/AAEAAABkAAAAAAAAABQAAABAHwAAAAAAACYAAAAAAAAAwOD//wAAAAAmAAAAZAAAABYAAABMAAAAAAAAAAAAAAAEAAAAAAAAAAEAAADn5uYKAAAAACgAAAAoAAAAZAAAAGQAAAAAAAAAzMzMAAAAAABQAAAAUAAAAGQAAABkAAAAAAAAABcAAAAUAAAAAAAAAAAAAAD/fwAA/38AAAAAAAAJAAAABAAAAFh74wseAAAAaAAAAAAAAAAAAAAAAAAAAAAAAAAAAAAAECcAABAnAAAAAAAAAAAAAAAAAAAAAAAAAAAAAAAAAAAAAAAAAAAAABQAAAAAAAAAwMD/AAAAAABkAAAAMgAAAAAAAABkAAAAAAAAAH9/fwAKAAAAIgAAABgAAAAAAAAAAAAAAAAAAAAAAAAAAAAAAAAAAAAkAAAAJAAAAAAAAAAHAAAAAAAAAAAAAAAAAAAAAAAAAAAAAAAAAAAAf39/ACUAAABYAAAAAAAAAAAAAAAAAAAAAAAAAAAAAAAAAAAAAAAAAAAAAAAAAAAAAAAAAAAAAAA/AAAAAAAAAKCGAQAAAAAAAAAAAAAAAAAMAAAAAQAAAAAAAAAAAAAAAAAAAB8AAABUAAAAAAAABQAAAAEAAAAAAAAAAAAAAAAAAAAAAAAAAAAAAAAAAAAAAAAAAAAAAAJ/f38AAAAAA8zMzADAwP8Af39/AAAAAAAAAAAAAAAAAAAAAAAAAAAAIQAAABgAAAAUAAAAwAMAAKcWAACwJAAAUiIAABAAAAAmAAAACAAAAD0gAAAAAAAA"/>
               </a:ext>
             </a:extLst>
           </p:cNvSpPr>
@@ -3291,7 +3294,7 @@
             <a:spLocks noGrp="1" noChangeArrowheads="1"/>
             <a:extLst>
               <a:ext uri="smNativeData">
-                <pr:smNativeData xmlns="smNativeData" xmlns:pr="smNativeData" xmlns:p15="http://schemas.microsoft.com/office/powerpoint/2012/main" xmlns:p14="http://schemas.microsoft.com/office/powerpoint/2010/main" xmlns:mc="http://schemas.openxmlformats.org/markup-compatibility/2006" val="SMDATA_15_q5OGZBMAAAAlAAAAZAAAAA0AAAAAAAAAAAAAAAAAAAAAAAAAAAAAAAABAAAAAAAAAAEAAABQAAAAAAAAAAAA4D8AAAAAAADgPwAAAAAAAOA/AAAAAAAA4D8AAAAAAADgPwAAAAAAAOA/AAAAAAAA4D8AAAAAAADgPwAAAAAAAOA/AAAAAAAA4D8CAAAAjAAAAAAAAAAAAAAARHLEDP///wgAAAAAAAAAAAAAAAAAAAAAAAAAAAAAAAAAAAAAZAAAAAEAAABAAAAAAAAAAAAAAAAAAAAAAAAAAAAAAAAAAAAAAAAAAAAAAAAAAAAAAAAAAAAAAAAAAAAAAAAAAAAAAAAAAAAAAAAAAAAAAAAAAAAAAAAAAAAAAAAAAAAAFAAAADwAAAAAAAAAAAAAAAAAAAkUAAAAAQAAABQAAAAUAAAAFAAAAAEAAAAAAAAAZAAAAGQAAAAAAAAAZAAAAGQAAAAVAAAAYAAAAAAAAAAAAAAADwAAACADAAAAAAAAAAAAAAEAAACgMgAAVgcAAKr4//8BAAAAf39/AAEAAABkAAAAAAAAABQAAABAHwAAAAAAACYAAAAAAAAAwOD//wAAAAAmAAAAZAAAABYAAABMAAAAAAAAAAAAAAAEAAAAAAAAAAEAAADn5uYKAAAAACgAAAAoAAAAZAAAAGQAAAAAAAAAzMzMAAAAAABQAAAAUAAAAGQAAABkAAAAAAAAABcAAAAUAAAAAAAAAAAAAAD/fwAA/38AAAAAAAAJAAAABAAAAJgGAAAeAAAAaAAAAAAAAAAAAAAAAAAAAAAAAAAAAAAAECcAABAnAAAAAAAAAAAAAAAAAAAAAAAAAAAAAAAAAAAAAAAAAAAAABQAAAAAAAAAwMD/AAAAAABkAAAAMgAAAAAAAABkAAAAAAAAAH9/fwAKAAAAIgAAABgAAAAAAAAAAAAAAAAAAAAAAAAAAAAAAAAAAAAkAAAAJAAAAAAAAAAHAAAAAAAAAAAAAAAAAAAAAAAAAAAAAAAAAAAAf39/ACUAAABYAAAAAAAAAAAAAAAAAAAAAAAAAAAAAAAAAAAAAAAAAAAAAAAAAAAAAAAAAAAAAAA/AAAAAAAAAKCGAQAAAAAAAAAAAAAAAAAMAAAAAQAAAAAAAAAAAAAAAAAAAB8AAABUAAAAAAAABQAAAAEAAAAAAAAAAAAAAAAAAAAAAAAAAAAAAAAAAAAAAAAAAAAAAAJ/f38AAAAAA8zMzADAwP8Af39/AAAAAAAAAAAAAAAAAAAAAAAAAAAAIQAAABgAAAAUAAAAwAMAAK8BAAA/RwAAuggAABAAAAAmAAAACAAAADwgAAAAAAAA"/>
+                <pr:smNativeData xmlns:mc="http://schemas.openxmlformats.org/markup-compatibility/2006" xmlns:p14="http://schemas.microsoft.com/office/powerpoint/2010/main" xmlns:p15="http://schemas.microsoft.com/office/powerpoint/2012/main" xmlns:pr="smNativeData" xmlns="smNativeData" val="SMDATA_15_q5OGZBMAAAAlAAAAZAAAAA0AAAAAAAAAAAAAAAAAAAAAAAAAAAAAAAABAAAAAAAAAAEAAABQAAAAAAAAAAAA4D8AAAAAAADgPwAAAAAAAOA/AAAAAAAA4D8AAAAAAADgPwAAAAAAAOA/AAAAAAAA4D8AAAAAAADgPwAAAAAAAOA/AAAAAAAA4D8CAAAAjAAAAAAAAAAAAAAARHLEDP///wgAAAAAAAAAAAAAAAAAAAAAAAAAAAAAAAAAAAAAZAAAAAEAAABAAAAAAAAAAAAAAAAAAAAAAAAAAAAAAAAAAAAAAAAAAAAAAAAAAAAAAAAAAAAAAAAAAAAAAAAAAAAAAAAAAAAAAAAAAAAAAAAAAAAAAAAAAAAAAAAAAAAAFAAAADwAAAAAAAAAAAAAAAAAAAkUAAAAAQAAABQAAAAUAAAAFAAAAAEAAAAAAAAAZAAAAGQAAAAAAAAAZAAAAGQAAAAVAAAAYAAAAAAAAAAAAAAADwAAACADAAAAAAAAAAAAAAEAAACgMgAAVgcAAKr4//8BAAAAf39/AAEAAABkAAAAAAAAABQAAABAHwAAAAAAACYAAAAAAAAAwOD//wAAAAAmAAAAZAAAABYAAABMAAAAAAAAAAAAAAAEAAAAAAAAAAEAAADn5uYKAAAAACgAAAAoAAAAZAAAAGQAAAAAAAAAzMzMAAAAAABQAAAAUAAAAGQAAABkAAAAAAAAABcAAAAUAAAAAAAAAAAAAAD/fwAA/38AAAAAAAAJAAAABAAAAJgGAAAeAAAAaAAAAAAAAAAAAAAAAAAAAAAAAAAAAAAAECcAABAnAAAAAAAAAAAAAAAAAAAAAAAAAAAAAAAAAAAAAAAAAAAAABQAAAAAAAAAwMD/AAAAAABkAAAAMgAAAAAAAABkAAAAAAAAAH9/fwAKAAAAIgAAABgAAAAAAAAAAAAAAAAAAAAAAAAAAAAAAAAAAAAkAAAAJAAAAAAAAAAHAAAAAAAAAAAAAAAAAAAAAAAAAAAAAAAAAAAAf39/ACUAAABYAAAAAAAAAAAAAAAAAAAAAAAAAAAAAAAAAAAAAAAAAAAAAAAAAAAAAAAAAAAAAAA/AAAAAAAAAKCGAQAAAAAAAAAAAAAAAAAMAAAAAQAAAAAAAAAAAAAAAAAAAB8AAABUAAAAAAAABQAAAAEAAAAAAAAAAAAAAAAAAAAAAAAAAAAAAAAAAAAAAAAAAAAAAAJ/f38AAAAAA8zMzADAwP8Af39/AAAAAAAAAAAAAAAAAAAAAAAAAAAAIQAAABgAAAAUAAAAwAMAAK8BAAA/RwAAuggAABAAAAAmAAAACAAAADwgAAAAAAAA"/>
               </a:ext>
             </a:extLst>
           </p:cNvSpPr>
@@ -3322,7 +3325,7 @@
             <a:spLocks noGrp="1" noChangeArrowheads="1"/>
             <a:extLst>
               <a:ext uri="smNativeData">
-                <pr:smNativeData xmlns="smNativeData" xmlns:pr="smNativeData" xmlns:p15="http://schemas.microsoft.com/office/powerpoint/2012/main" xmlns:p14="http://schemas.microsoft.com/office/powerpoint/2010/main" xmlns:mc="http://schemas.openxmlformats.org/markup-compatibility/2006" val="SMDATA_15_q5OGZBMAAAAlAAAAZAAAAA0AAAAAAAAAAAAAAAAAAAAAAAAAAAAAAAAAAAAAAAAAAAEAAABQAAAAAAAAAAAA4D8AAAAAAADgPwAAAAAAAOA/AAAAAAAA4D8AAAAAAADgPwAAAAAAAOA/AAAAAAAA4D8AAAAAAADgPwAAAAAAAOA/AAAAAAAA4D8CAAAAjAAAAAAAAAAAAAAARHLEDP///wgAAAAAAAAAAAAAAAAAAAAAAAAAAAAAAAAAAAAAZAAAAAEAAABAAAAAAAAAAAAAAAAAAAAAAAAAAAAAAAAAAAAAAAAAAAAAAAAAAAAAAAAAAAAAAAAAAAAAAAAAAAAAAAAAAAAAAAAAAAAAAAAAAAAAAAAAAAAAAAAAAAAAFAAAADwAAAAAAAAAAAAAAAAAAAkUAAAAAQAAABQAAAAUAAAAFAAAAAEAAAAAAAAAZAAAAGQAAAAAAAAAZAAAAGQAAAAVAAAAYAAAAAAAAAAAAAAADwAAACADAAAAAAAAAAAAAAEAAACgMgAAVgcAAKr4//8BAAAAf39/AAEAAABkAAAAAAAAABQAAABAHwAAAAAAACYAAAAAAAAAwOD//wAAAAAmAAAAZAAAABYAAABMAAAAAAAAAAAAAAAEAAAAAAAAAAEAAADn5uYKAAAAACgAAAAoAAAAZAAAAGQAAAAAAAAAzMzMAAAAAABQAAAAUAAAAGQAAABkAAAAAAAAABcAAAAUAAAAAAAAAAAAAAD/fwAA/38AAAAAAAAJAAAABAAAAIazpAseAAAAaAAAAAAAAAAAAAAAAAAAAAAAAAAAAAAAECcAABAnAAAAAAAAAAAAAAAAAAAAAAAAAAAAAAAAAAAAAAAAAAAAABQAAAAAAAAAwMD/AAAAAABkAAAAMgAAAAAAAABkAAAAAAAAAH9/fwAKAAAAIgAAABgAAAAAAAAAAAAAAAAAAAAAAAAAAAAAAAAAAAAkAAAAJAAAAAAAAAAHAAAAAAAAAAAAAAAAAAAAAAAAAAAAAAAAAAAAf39/ACUAAABYAAAAAAAAAAAAAAAAAAAAAAAAAAAAAAAAAAAAAAAAAAAAAAAAAAAAAAAAAAAAAAA/AAAAAAAAAKCGAQAAAAAAAAAAAAAAAAAMAAAAAQAAAAAAAAAAAAAAAAAAAB8AAABUAAAAAAAABQAAAAEAAAAAAAAAAAAAAAAAAAAAAAAAAAAAAAAAAAAAAAAAAAAAAAJ/f38AAAAAA8zMzADAwP8Af39/AAAAAAAAAAAAAAAAAAAAAAAAAAAAIQAAABgAAAAUAAAAwAMAAN8JAACwJAAAViIAABAAAAAmAAAACAAAAD0gAAAAAAAA"/>
+                <pr:smNativeData xmlns:mc="http://schemas.openxmlformats.org/markup-compatibility/2006" xmlns:p14="http://schemas.microsoft.com/office/powerpoint/2010/main" xmlns:p15="http://schemas.microsoft.com/office/powerpoint/2012/main" xmlns:pr="smNativeData" xmlns="smNativeData" val="SMDATA_15_q5OGZBMAAAAlAAAAZAAAAA0AAAAAAAAAAAAAAAAAAAAAAAAAAAAAAAAAAAAAAAAAAAEAAABQAAAAAAAAAAAA4D8AAAAAAADgPwAAAAAAAOA/AAAAAAAA4D8AAAAAAADgPwAAAAAAAOA/AAAAAAAA4D8AAAAAAADgPwAAAAAAAOA/AAAAAAAA4D8CAAAAjAAAAAAAAAAAAAAARHLEDP///wgAAAAAAAAAAAAAAAAAAAAAAAAAAAAAAAAAAAAAZAAAAAEAAABAAAAAAAAAAAAAAAAAAAAAAAAAAAAAAAAAAAAAAAAAAAAAAAAAAAAAAAAAAAAAAAAAAAAAAAAAAAAAAAAAAAAAAAAAAAAAAAAAAAAAAAAAAAAAAAAAAAAAFAAAADwAAAAAAAAAAAAAAAAAAAkUAAAAAQAAABQAAAAUAAAAFAAAAAEAAAAAAAAAZAAAAGQAAAAAAAAAZAAAAGQAAAAVAAAAYAAAAAAAAAAAAAAADwAAACADAAAAAAAAAAAAAAEAAACgMgAAVgcAAKr4//8BAAAAf39/AAEAAABkAAAAAAAAABQAAABAHwAAAAAAACYAAAAAAAAAwOD//wAAAAAmAAAAZAAAABYAAABMAAAAAAAAAAAAAAAEAAAAAAAAAAEAAADn5uYKAAAAACgAAAAoAAAAZAAAAGQAAAAAAAAAzMzMAAAAAABQAAAAUAAAAGQAAABkAAAAAAAAABcAAAAUAAAAAAAAAAAAAAD/fwAA/38AAAAAAAAJAAAABAAAAIazpAseAAAAaAAAAAAAAAAAAAAAAAAAAAAAAAAAAAAAECcAABAnAAAAAAAAAAAAAAAAAAAAAAAAAAAAAAAAAAAAAAAAAAAAABQAAAAAAAAAwMD/AAAAAABkAAAAMgAAAAAAAABkAAAAAAAAAH9/fwAKAAAAIgAAABgAAAAAAAAAAAAAAAAAAAAAAAAAAAAAAAAAAAAkAAAAJAAAAAAAAAAHAAAAAAAAAAAAAAAAAAAAAAAAAAAAAAAAAAAAf39/ACUAAABYAAAAAAAAAAAAAAAAAAAAAAAAAAAAAAAAAAAAAAAAAAAAAAAAAAAAAAAAAAAAAAA/AAAAAAAAAKCGAQAAAAAAAAAAAAAAAAAMAAAAAQAAAAAAAAAAAAAAAAAAAB8AAABUAAAAAAAABQAAAAEAAAAAAAAAAAAAAAAAAAAAAAAAAAAAAAAAAAAAAAAAAAAAAAJ/f38AAAAAA8zMzADAwP8Af39/AAAAAAAAAAAAAAAAAAAAAAAAAAAAIQAAABgAAAAUAAAAwAMAAN8JAACwJAAAViIAABAAAAAmAAAACAAAAD0gAAAAAAAA"/>
               </a:ext>
             </a:extLst>
           </p:cNvSpPr>
@@ -3358,7 +3361,7 @@
             <a:spLocks noGrp="1" noChangeArrowheads="1"/>
             <a:extLst>
               <a:ext uri="smNativeData">
-                <pr:smNativeData xmlns="smNativeData" xmlns:pr="smNativeData" xmlns:p15="http://schemas.microsoft.com/office/powerpoint/2012/main" xmlns:p14="http://schemas.microsoft.com/office/powerpoint/2010/main" xmlns:mc="http://schemas.openxmlformats.org/markup-compatibility/2006" val="SMDATA_15_q5OGZBMAAAAlAAAAZAAAAA0AAAAAAAAAAAAAAAAAAAAAAAAAAAAAAAAAAAAAAAAAAAEAAABQAAAAAAAAAAAA4D8AAAAAAADgPwAAAAAAAOA/AAAAAAAA4D8AAAAAAADgPwAAAAAAAOA/AAAAAAAA4D8AAAAAAADgPwAAAAAAAOA/AAAAAAAA4D8CAAAAjAAAAAAAAAAAAAAARHLEDP///wgAAAAAAAAAAAAAAAAAAAAAAAAAAAAAAAAAAAAAZAAAAAEAAABAAAAAAAAAAAAAAAAAAAAAAAAAAAAAAAAAAAAAAAAAAAAAAAAAAAAAAAAAAAAAAAAAAAAAAAAAAAAAAAAAAAAAAAAAAAAAAAAAAAAAAAAAAAAAAAAAAAAAFAAAADwAAAAAAAAAAAAAAAAAAAkUAAAAAQAAABQAAAAUAAAAFAAAAAEAAAAAAAAAZAAAAGQAAAAAAAAAZAAAAGQAAAAVAAAAYAAAAAAAAAAAAAAADwAAACADAAAAAAAAAAAAAAEAAACgMgAAVgcAAKr4//8BAAAAf39/AAEAAABkAAAAAAAAABQAAABAHwAAAAAAACYAAAAAAAAAwOD//wAAAAAmAAAAZAAAABYAAABMAAAAAAAAAAAAAAAEAAAAAAAAAAEAAADn5uYKAAAAACgAAAAoAAAAZAAAAGQAAAAAAAAAzMzMAAAAAABQAAAAUAAAAGQAAABkAAAAAAAAABcAAAAUAAAAAAAAAAAAAAD/fwAA/38AAAAAAAAJAAAABAAAAAAAAAAeAAAAaAAAAAAAAAAAAAAAAAAAAAAAAAAAAAAAECcAABAnAAAAAAAAAAAAAAAAAAAAAAAAAAAAAAAAAAAAAAAAAAAAABQAAAAAAAAAwMD/AAAAAABkAAAAMgAAAAAAAABkAAAAAAAAAH9/fwAKAAAAIgAAABgAAAAAAAAAAAAAAAAAAAAAAAAAAAAAAAAAAAAkAAAAJAAAAAAAAAAHAAAAAAAAAAAAAAAAAAAAAAAAAAAAAAAAAAAAf39/ACUAAABYAAAAAAAAAAAAAAAAAAAAAAAAAAAAAAAAAAAAAAAAAAAAAAAAAAAAAAAAAAAAAAA/AAAAAAAAAKCGAQAAAAAAAAAAAAAAAAAMAAAAAQAAAAAAAAAAAAAAAAAAAB8AAABUAAAAAAAABQAAAAEAAAAAAAAAAAAAAAAAAAAAAAAAAAAAAAAAAAAAAAAAAAAAAAJ/f38AAAAAA8zMzADAwP8Af39/AAAAAAAAAAAAAAAAAAAAAAAAAAAAIQAAABgAAAAUAAAAViYAAN8JAABGRwAAihUAABAAAAAmAAAACAAAAD0gAAAAAAAA"/>
+                <pr:smNativeData xmlns:mc="http://schemas.openxmlformats.org/markup-compatibility/2006" xmlns:p14="http://schemas.microsoft.com/office/powerpoint/2010/main" xmlns:p15="http://schemas.microsoft.com/office/powerpoint/2012/main" xmlns:pr="smNativeData" xmlns="smNativeData" val="SMDATA_15_q5OGZBMAAAAlAAAAZAAAAA0AAAAAAAAAAAAAAAAAAAAAAAAAAAAAAAAAAAAAAAAAAAEAAABQAAAAAAAAAAAA4D8AAAAAAADgPwAAAAAAAOA/AAAAAAAA4D8AAAAAAADgPwAAAAAAAOA/AAAAAAAA4D8AAAAAAADgPwAAAAAAAOA/AAAAAAAA4D8CAAAAjAAAAAAAAAAAAAAARHLEDP///wgAAAAAAAAAAAAAAAAAAAAAAAAAAAAAAAAAAAAAZAAAAAEAAABAAAAAAAAAAAAAAAAAAAAAAAAAAAAAAAAAAAAAAAAAAAAAAAAAAAAAAAAAAAAAAAAAAAAAAAAAAAAAAAAAAAAAAAAAAAAAAAAAAAAAAAAAAAAAAAAAAAAAFAAAADwAAAAAAAAAAAAAAAAAAAkUAAAAAQAAABQAAAAUAAAAFAAAAAEAAAAAAAAAZAAAAGQAAAAAAAAAZAAAAGQAAAAVAAAAYAAAAAAAAAAAAAAADwAAACADAAAAAAAAAAAAAAEAAACgMgAAVgcAAKr4//8BAAAAf39/AAEAAABkAAAAAAAAABQAAABAHwAAAAAAACYAAAAAAAAAwOD//wAAAAAmAAAAZAAAABYAAABMAAAAAAAAAAAAAAAEAAAAAAAAAAEAAADn5uYKAAAAACgAAAAoAAAAZAAAAGQAAAAAAAAAzMzMAAAAAABQAAAAUAAAAGQAAABkAAAAAAAAABcAAAAUAAAAAAAAAAAAAAD/fwAA/38AAAAAAAAJAAAABAAAAAAAAAAeAAAAaAAAAAAAAAAAAAAAAAAAAAAAAAAAAAAAECcAABAnAAAAAAAAAAAAAAAAAAAAAAAAAAAAAAAAAAAAAAAAAAAAABQAAAAAAAAAwMD/AAAAAABkAAAAMgAAAAAAAABkAAAAAAAAAH9/fwAKAAAAIgAAABgAAAAAAAAAAAAAAAAAAAAAAAAAAAAAAAAAAAAkAAAAJAAAAAAAAAAHAAAAAAAAAAAAAAAAAAAAAAAAAAAAAAAAAAAAf39/ACUAAABYAAAAAAAAAAAAAAAAAAAAAAAAAAAAAAAAAAAAAAAAAAAAAAAAAAAAAAAAAAAAAAA/AAAAAAAAAKCGAQAAAAAAAAAAAAAAAAAMAAAAAQAAAAAAAAAAAAAAAAAAAB8AAABUAAAAAAAABQAAAAEAAAAAAAAAAAAAAAAAAAAAAAAAAAAAAAAAAAAAAAAAAAAAAAJ/f38AAAAAA8zMzADAwP8Af39/AAAAAAAAAAAAAAAAAAAAAAAAAAAAIQAAABgAAAAUAAAAViYAAN8JAABGRwAAihUAABAAAAAmAAAACAAAAD0gAAAAAAAA"/>
               </a:ext>
             </a:extLst>
           </p:cNvSpPr>
@@ -3394,7 +3397,7 @@
             <a:spLocks noGrp="1" noChangeArrowheads="1"/>
             <a:extLst>
               <a:ext uri="smNativeData">
-                <pr:smNativeData xmlns="smNativeData" xmlns:pr="smNativeData" xmlns:p15="http://schemas.microsoft.com/office/powerpoint/2012/main" xmlns:p14="http://schemas.microsoft.com/office/powerpoint/2010/main" xmlns:mc="http://schemas.openxmlformats.org/markup-compatibility/2006" val="SMDATA_15_q5OGZBMAAAAlAAAAZAAAAA0AAAAAAAAAAAAAAAAAAAAAAAAAAAAAAAAAAAAAAAAAAAEAAABQAAAAAAAAAAAA4D8AAAAAAADgPwAAAAAAAOA/AAAAAAAA4D8AAAAAAADgPwAAAAAAAOA/AAAAAAAA4D8AAAAAAADgPwAAAAAAAOA/AAAAAAAA4D8CAAAAjAAAAAAAAAAAAAAARHLEDP///wgAAAAAAAAAAAAAAAAAAAAAAAAAAAAAAAAAAAAAZAAAAAEAAABAAAAAAAAAAAAAAAAAAAAAAAAAAAAAAAAAAAAAAAAAAAAAAAAAAAAAAAAAAAAAAAAAAAAAAAAAAAAAAAAAAAAAAAAAAAAAAAAAAAAAAAAAAAAAAAAAAAAAFAAAADwAAAAAAAAAAAAAAAAAAAkUAAAAAQAAABQAAAAUAAAAFAAAAAEAAAAAAAAAZAAAAGQAAAAAAAAAZAAAAGQAAAAVAAAAYAAAAAAAAAAAAAAADwAAACADAAAAAAAAAAAAAAEAAACgMgAAVgcAAKr4//8BAAAAf39/AAEAAABkAAAAAAAAABQAAABAHwAAAAAAACYAAAAAAAAAwOD//wAAAAAmAAAAZAAAABYAAABMAAAAAAAAAAAAAAAEAAAAAAAAAAEAAADn5uYKAAAAACgAAAAoAAAAZAAAAGQAAAAAAAAAzMzMAAAAAABQAAAAUAAAAGQAAABkAAAAAAAAABcAAAAUAAAAAAAAAAAAAAD/fwAA/38AAAAAAAAJAAAABAAAAAAAAAAeAAAAaAAAAAAAAAAAAAAAAAAAAAAAAAAAAAAAECcAABAnAAAAAAAAAAAAAAAAAAAAAAAAAAAAAAAAAAAAAAAAAAAAABQAAAAAAAAAwMD/AAAAAABkAAAAMgAAAAAAAABkAAAAAAAAAH9/fwAKAAAAIgAAABgAAAAAAAAAAAAAAAAAAAAAAAAAAAAAAAAAAAAkAAAAJAAAAAAAAAAHAAAAAAAAAAAAAAAAAAAAAAAAAAAAAAAAAAAAf39/ACUAAABYAAAAAAAAAAAAAAAAAAAAAAAAAAAAAAAAAAAAAAAAAAAAAAAAAAAAAAAAAAAAAAA/AAAAAAAAAKCGAQAAAAAAAAAAAAAAAAAMAAAAAQAAAAAAAAAAAAAAAAAAAB8AAABUAAAAAAAABQAAAAEAAAAAAAAAAAAAAAAAAAAAAAAAAAAAAAAAAAAAAAAAAAAAAAJ/f38AAAAAA8zMzADAwP8Af39/AAAAAAAAAAAAAAAAAAAAAAAAAAAAIQAAABgAAAAUAAAAViYAAKcWAABGRwAAUiIAABAAAAAmAAAACAAAAD0gAAAAAAAA"/>
+                <pr:smNativeData xmlns:mc="http://schemas.openxmlformats.org/markup-compatibility/2006" xmlns:p14="http://schemas.microsoft.com/office/powerpoint/2010/main" xmlns:p15="http://schemas.microsoft.com/office/powerpoint/2012/main" xmlns:pr="smNativeData" xmlns="smNativeData" val="SMDATA_15_q5OGZBMAAAAlAAAAZAAAAA0AAAAAAAAAAAAAAAAAAAAAAAAAAAAAAAAAAAAAAAAAAAEAAABQAAAAAAAAAAAA4D8AAAAAAADgPwAAAAAAAOA/AAAAAAAA4D8AAAAAAADgPwAAAAAAAOA/AAAAAAAA4D8AAAAAAADgPwAAAAAAAOA/AAAAAAAA4D8CAAAAjAAAAAAAAAAAAAAARHLEDP///wgAAAAAAAAAAAAAAAAAAAAAAAAAAAAAAAAAAAAAZAAAAAEAAABAAAAAAAAAAAAAAAAAAAAAAAAAAAAAAAAAAAAAAAAAAAAAAAAAAAAAAAAAAAAAAAAAAAAAAAAAAAAAAAAAAAAAAAAAAAAAAAAAAAAAAAAAAAAAAAAAAAAAFAAAADwAAAAAAAAAAAAAAAAAAAkUAAAAAQAAABQAAAAUAAAAFAAAAAEAAAAAAAAAZAAAAGQAAAAAAAAAZAAAAGQAAAAVAAAAYAAAAAAAAAAAAAAADwAAACADAAAAAAAAAAAAAAEAAACgMgAAVgcAAKr4//8BAAAAf39/AAEAAABkAAAAAAAAABQAAABAHwAAAAAAACYAAAAAAAAAwOD//wAAAAAmAAAAZAAAABYAAABMAAAAAAAAAAAAAAAEAAAAAAAAAAEAAADn5uYKAAAAACgAAAAoAAAAZAAAAGQAAAAAAAAAzMzMAAAAAABQAAAAUAAAAGQAAABkAAAAAAAAABcAAAAUAAAAAAAAAAAAAAD/fwAA/38AAAAAAAAJAAAABAAAAAAAAAAeAAAAaAAAAAAAAAAAAAAAAAAAAAAAAAAAAAAAECcAABAnAAAAAAAAAAAAAAAAAAAAAAAAAAAAAAAAAAAAAAAAAAAAABQAAAAAAAAAwMD/AAAAAABkAAAAMgAAAAAAAABkAAAAAAAAAH9/fwAKAAAAIgAAABgAAAAAAAAAAAAAAAAAAAAAAAAAAAAAAAAAAAAkAAAAJAAAAAAAAAAHAAAAAAAAAAAAAAAAAAAAAAAAAAAAAAAAAAAAf39/ACUAAABYAAAAAAAAAAAAAAAAAAAAAAAAAAAAAAAAAAAAAAAAAAAAAAAAAAAAAAAAAAAAAAA/AAAAAAAAAKCGAQAAAAAAAAAAAAAAAAAMAAAAAQAAAAAAAAAAAAAAAAAAAB8AAABUAAAAAAAABQAAAAEAAAAAAAAAAAAAAAAAAAAAAAAAAAAAAAAAAAAAAAAAAAAAAAJ/f38AAAAAA8zMzADAwP8Af39/AAAAAAAAAAAAAAAAAAAAAAAAAAAAIQAAABgAAAAUAAAAViYAAKcWAABGRwAAUiIAABAAAAAmAAAACAAAAD0gAAAAAAAA"/>
               </a:ext>
             </a:extLst>
           </p:cNvSpPr>
@@ -3455,7 +3458,7 @@
             <a:spLocks noGrp="1" noChangeArrowheads="1"/>
             <a:extLst>
               <a:ext uri="smNativeData">
-                <pr:smNativeData xmlns="smNativeData" xmlns:pr="smNativeData" xmlns:p15="http://schemas.microsoft.com/office/powerpoint/2012/main" xmlns:p14="http://schemas.microsoft.com/office/powerpoint/2010/main" xmlns:mc="http://schemas.openxmlformats.org/markup-compatibility/2006" val="SMDATA_15_q5OGZBMAAAAlAAAAZAAAAA0AAAAAAAAAAAAAAAAAAAAAAAAAAAAAAAABAAAAAAAAAAEAAABQAAAAAAAAAAAA4D8AAAAAAADgPwAAAAAAAOA/AAAAAAAA4D8AAAAAAADgPwAAAAAAAOA/AAAAAAAA4D8AAAAAAADgPwAAAAAAAOA/AAAAAAAA4D8CAAAAjAAAAAAAAAAAAAAARHLEDP///wgAAAAAAAAAAAAAAAAAAAAAAAAAAAAAAAAAAAAAZAAAAAEAAABAAAAAAAAAAAAAAAAAAAAAAAAAAAAAAAAAAAAAAAAAAAAAAAAAAAAAAAAAAAAAAAAAAAAAAAAAAAAAAAAAAAAAAAAAAAAAAAAAAAAAAAAAAAAAAAAAAAAAFAAAADwAAAAAAAAAAAAAAAAAAAkUAAAAAQAAABQAAAAUAAAAFAAAAAEAAAAAAAAAZAAAAGQAAAAAAAAAZAAAAGQAAAAVAAAAYAAAAAAAAAAAAAAADwAAACADAAAAAAAAAAAAAAEAAACgMgAAVgcAAKr4//8BAAAAf39/AAEAAABkAAAAAAAAABQAAABAHwAAAAAAACYAAAAAAAAAwOD//wAAAAAmAAAAZAAAABYAAABMAAAAAAAAAAAAAAAEAAAAAAAAAAEAAADn5uYKAAAAACgAAAAoAAAAZAAAAGQAAAAAAAAAzMzMAAAAAABQAAAAUAAAAGQAAABkAAAAAAAAABcAAAAUAAAAAAAAAAAAAAD/fwAA/38AAAAAAAAJAAAABAAAAIazpAseAAAAaAAAAAAAAAAAAAAAAAAAAAAAAAAAAAAAECcAABAnAAAAAAAAAAAAAAAAAAAAAAAAAAAAAAAAAAAAAAAAAAAAABQAAAAAAAAAwMD/AAAAAABkAAAAMgAAAAAAAABkAAAAAAAAAH9/fwAKAAAAIgAAABgAAAAAAAAAAAAAAAAAAAAAAAAAAAAAAAAAAAAkAAAAJAAAAAAAAAAHAAAAAAAAAAAAAAAAAAAAAAAAAAAAAAAAAAAAf39/ACUAAABYAAAAAAAAAAAAAAAAAAAAAAAAAAAAAAAAAAAAAAAAAAAAAAAAAAAAAAAAAAAAAAA/AAAAAAAAAKCGAQAAAAAAAAAAAAAAAAAMAAAAAQAAAAAAAAAAAAAAAAAAAB8AAABUAAAAAAAABQAAAAEAAAAAAAAAAAAAAAAAAAAAAAAAAAAAAAAAAAAAAAAAAAAAAAJ/f38AAAAAA8zMzADAwP8Af39/AAAAAAAAAAAAAAAAAAAAAAAAAAAAIQAAABgAAAAUAAAAwAMAAK8BAAA/RwAAuggAABAAAAAmAAAACAAAADwgAAAAAAAA"/>
+                <pr:smNativeData xmlns:mc="http://schemas.openxmlformats.org/markup-compatibility/2006" xmlns:p14="http://schemas.microsoft.com/office/powerpoint/2010/main" xmlns:p15="http://schemas.microsoft.com/office/powerpoint/2012/main" xmlns:pr="smNativeData" xmlns="smNativeData" val="SMDATA_15_q5OGZBMAAAAlAAAAZAAAAA0AAAAAAAAAAAAAAAAAAAAAAAAAAAAAAAABAAAAAAAAAAEAAABQAAAAAAAAAAAA4D8AAAAAAADgPwAAAAAAAOA/AAAAAAAA4D8AAAAAAADgPwAAAAAAAOA/AAAAAAAA4D8AAAAAAADgPwAAAAAAAOA/AAAAAAAA4D8CAAAAjAAAAAAAAAAAAAAARHLEDP///wgAAAAAAAAAAAAAAAAAAAAAAAAAAAAAAAAAAAAAZAAAAAEAAABAAAAAAAAAAAAAAAAAAAAAAAAAAAAAAAAAAAAAAAAAAAAAAAAAAAAAAAAAAAAAAAAAAAAAAAAAAAAAAAAAAAAAAAAAAAAAAAAAAAAAAAAAAAAAAAAAAAAAFAAAADwAAAAAAAAAAAAAAAAAAAkUAAAAAQAAABQAAAAUAAAAFAAAAAEAAAAAAAAAZAAAAGQAAAAAAAAAZAAAAGQAAAAVAAAAYAAAAAAAAAAAAAAADwAAACADAAAAAAAAAAAAAAEAAACgMgAAVgcAAKr4//8BAAAAf39/AAEAAABkAAAAAAAAABQAAABAHwAAAAAAACYAAAAAAAAAwOD//wAAAAAmAAAAZAAAABYAAABMAAAAAAAAAAAAAAAEAAAAAAAAAAEAAADn5uYKAAAAACgAAAAoAAAAZAAAAGQAAAAAAAAAzMzMAAAAAABQAAAAUAAAAGQAAABkAAAAAAAAABcAAAAUAAAAAAAAAAAAAAD/fwAA/38AAAAAAAAJAAAABAAAAIazpAseAAAAaAAAAAAAAAAAAAAAAAAAAAAAAAAAAAAAECcAABAnAAAAAAAAAAAAAAAAAAAAAAAAAAAAAAAAAAAAAAAAAAAAABQAAAAAAAAAwMD/AAAAAABkAAAAMgAAAAAAAABkAAAAAAAAAH9/fwAKAAAAIgAAABgAAAAAAAAAAAAAAAAAAAAAAAAAAAAAAAAAAAAkAAAAJAAAAAAAAAAHAAAAAAAAAAAAAAAAAAAAAAAAAAAAAAAAAAAAf39/ACUAAABYAAAAAAAAAAAAAAAAAAAAAAAAAAAAAAAAAAAAAAAAAAAAAAAAAAAAAAAAAAAAAAA/AAAAAAAAAKCGAQAAAAAAAAAAAAAAAAAMAAAAAQAAAAAAAAAAAAAAAAAAAB8AAABUAAAAAAAABQAAAAEAAAAAAAAAAAAAAAAAAAAAAAAAAAAAAAAAAAAAAAAAAAAAAAJ/f38AAAAAA8zMzADAwP8Af39/AAAAAAAAAAAAAAAAAAAAAAAAAAAAIQAAABgAAAAUAAAAwAMAAK8BAAA/RwAAuggAABAAAAAmAAAACAAAADwgAAAAAAAA"/>
               </a:ext>
             </a:extLst>
           </p:cNvSpPr>
@@ -3486,7 +3489,7 @@
             <a:spLocks noGrp="1" noChangeArrowheads="1"/>
             <a:extLst>
               <a:ext uri="smNativeData">
-                <pr:smNativeData xmlns="smNativeData" xmlns:pr="smNativeData" xmlns:p15="http://schemas.microsoft.com/office/powerpoint/2012/main" xmlns:p14="http://schemas.microsoft.com/office/powerpoint/2010/main" xmlns:mc="http://schemas.openxmlformats.org/markup-compatibility/2006" val="SMDATA_15_q5OGZBMAAAAlAAAAZAAAAA0AAAAAAAAAAAAAAAAAAAAAAAAAAAAAAAAAAAAAAAAAAAEAAABQAAAAAAAAAAAA4D8AAAAAAADgPwAAAAAAAOA/AAAAAAAA4D8AAAAAAADgPwAAAAAAAOA/AAAAAAAA4D8AAAAAAADgPwAAAAAAAOA/AAAAAAAA4D8CAAAAjAAAAAAAAAAAAAAARHLEDP///wgAAAAAAAAAAAAAAAAAAAAAAAAAAAAAAAAAAAAAZAAAAAEAAABAAAAAAAAAAAAAAAAAAAAAAAAAAAAAAAAAAAAAAAAAAAAAAAAAAAAAAAAAAAAAAAAAAAAAAAAAAAAAAAAAAAAAAAAAAAAAAAAAAAAAAAAAAAAAAAAAAAAAFAAAADwAAAAAAAAAAAAAAAAAAAkUAAAAAQAAABQAAAAUAAAAFAAAAAEAAAAAAAAAZAAAAGQAAAAAAAAAZAAAAGQAAAAVAAAAYAAAAAAAAAAAAAAADwAAACADAAAAAAAAAAAAAAEAAACgMgAAVgcAAKr4//8BAAAAf39/AAEAAABkAAAAAAAAABQAAABAHwAAAAAAACYAAAAAAAAAwOD//wAAAAAmAAAAZAAAABYAAABMAAAAAAAAAAAAAAAEAAAAAAAAAAEAAADn5uYKAAAAACgAAAAoAAAAZAAAAGQAAAAAAAAAzMzMAAAAAABQAAAAUAAAAGQAAABkAAAAAAAAABcAAAAUAAAAAAAAAAAAAAD/fwAA/38AAAAAAAAJAAAABAAAAAAAAAAeAAAAaAAAAAAAAAAAAAAAAAAAAAAAAAAAAAAAECcAABAnAAAAAAAAAAAAAAAAAAAAAAAAAAAAAAAAAAAAAAAAAAAAABQAAAAAAAAAwMD/AAAAAABkAAAAMgAAAAAAAABkAAAAAAAAAH9/fwAKAAAAIgAAABgAAAAAAAAAAAAAAAAAAAAAAAAAAAAAAAAAAAAkAAAAJAAAAAAAAAAHAAAAAAAAAAAAAAAAAAAAAAAAAAAAAAAAAAAAf39/ACUAAABYAAAAAAAAAAAAAAAAAAAAAAAAAAAAAAAAAAAAAAAAAAAAAAAAAAAAAAAAAAAAAAA/AAAAAAAAAKCGAQAAAAAAAAAAAAAAAAAMAAAAAQAAAAAAAAAAAAAAAAAAAB8AAABUAAAAAAAABQAAAAEAAAAAAAAAAAAAAAAAAAAAAAAAAAAAAAAAAAAAAAAAAAAAAAJ/f38AAAAAA8zMzADAwP8Af39/AAAAAAAAAAAAAAAAAAAAAAAAAAAAIQAAABgAAAAUAAAAwAMAAN8JAACwJAAAihUAABAAAAAmAAAACAAAAD0gAAAAAAAA"/>
+                <pr:smNativeData xmlns:mc="http://schemas.openxmlformats.org/markup-compatibility/2006" xmlns:p14="http://schemas.microsoft.com/office/powerpoint/2010/main" xmlns:p15="http://schemas.microsoft.com/office/powerpoint/2012/main" xmlns:pr="smNativeData" xmlns="smNativeData" val="SMDATA_15_q5OGZBMAAAAlAAAAZAAAAA0AAAAAAAAAAAAAAAAAAAAAAAAAAAAAAAAAAAAAAAAAAAEAAABQAAAAAAAAAAAA4D8AAAAAAADgPwAAAAAAAOA/AAAAAAAA4D8AAAAAAADgPwAAAAAAAOA/AAAAAAAA4D8AAAAAAADgPwAAAAAAAOA/AAAAAAAA4D8CAAAAjAAAAAAAAAAAAAAARHLEDP///wgAAAAAAAAAAAAAAAAAAAAAAAAAAAAAAAAAAAAAZAAAAAEAAABAAAAAAAAAAAAAAAAAAAAAAAAAAAAAAAAAAAAAAAAAAAAAAAAAAAAAAAAAAAAAAAAAAAAAAAAAAAAAAAAAAAAAAAAAAAAAAAAAAAAAAAAAAAAAAAAAAAAAFAAAADwAAAAAAAAAAAAAAAAAAAkUAAAAAQAAABQAAAAUAAAAFAAAAAEAAAAAAAAAZAAAAGQAAAAAAAAAZAAAAGQAAAAVAAAAYAAAAAAAAAAAAAAADwAAACADAAAAAAAAAAAAAAEAAACgMgAAVgcAAKr4//8BAAAAf39/AAEAAABkAAAAAAAAABQAAABAHwAAAAAAACYAAAAAAAAAwOD//wAAAAAmAAAAZAAAABYAAABMAAAAAAAAAAAAAAAEAAAAAAAAAAEAAADn5uYKAAAAACgAAAAoAAAAZAAAAGQAAAAAAAAAzMzMAAAAAABQAAAAUAAAAGQAAABkAAAAAAAAABcAAAAUAAAAAAAAAAAAAAD/fwAA/38AAAAAAAAJAAAABAAAAAAAAAAeAAAAaAAAAAAAAAAAAAAAAAAAAAAAAAAAAAAAECcAABAnAAAAAAAAAAAAAAAAAAAAAAAAAAAAAAAAAAAAAAAAAAAAABQAAAAAAAAAwMD/AAAAAABkAAAAMgAAAAAAAABkAAAAAAAAAH9/fwAKAAAAIgAAABgAAAAAAAAAAAAAAAAAAAAAAAAAAAAAAAAAAAAkAAAAJAAAAAAAAAAHAAAAAAAAAAAAAAAAAAAAAAAAAAAAAAAAAAAAf39/ACUAAABYAAAAAAAAAAAAAAAAAAAAAAAAAAAAAAAAAAAAAAAAAAAAAAAAAAAAAAAAAAAAAAA/AAAAAAAAAKCGAQAAAAAAAAAAAAAAAAAMAAAAAQAAAAAAAAAAAAAAAAAAAB8AAABUAAAAAAAABQAAAAEAAAAAAAAAAAAAAAAAAAAAAAAAAAAAAAAAAAAAAAAAAAAAAAJ/f38AAAAAA8zMzADAwP8Af39/AAAAAAAAAAAAAAAAAAAAAAAAAAAAIQAAABgAAAAUAAAAwAMAAN8JAACwJAAAihUAABAAAAAmAAAACAAAAD0gAAAAAAAA"/>
               </a:ext>
             </a:extLst>
           </p:cNvSpPr>
@@ -3522,7 +3525,7 @@
             <a:spLocks noGrp="1" noChangeArrowheads="1"/>
             <a:extLst>
               <a:ext uri="smNativeData">
-                <pr:smNativeData xmlns="smNativeData" xmlns:pr="smNativeData" xmlns:p15="http://schemas.microsoft.com/office/powerpoint/2012/main" xmlns:p14="http://schemas.microsoft.com/office/powerpoint/2010/main" xmlns:mc="http://schemas.openxmlformats.org/markup-compatibility/2006" val="SMDATA_15_q5OGZBMAAAAlAAAAZAAAAA0AAAAAAAAAAAAAAAAAAAAAAAAAAAAAAAAAAAAAAAAAAAEAAABQAAAAAAAAAAAA4D8AAAAAAADgPwAAAAAAAOA/AAAAAAAA4D8AAAAAAADgPwAAAAAAAOA/AAAAAAAA4D8AAAAAAADgPwAAAAAAAOA/AAAAAAAA4D8CAAAAjAAAAAAAAAAAAAAARHLEDP///wgAAAAAAAAAAAAAAAAAAAAAAAAAAAAAAAAAAAAAZAAAAAEAAABAAAAAAAAAAAAAAAAAAAAAAAAAAAAAAAAAAAAAAAAAAAAAAAAAAAAAAAAAAAAAAAAAAAAAAAAAAAAAAAAAAAAAAAAAAAAAAAAAAAAAAAAAAAAAAAAAAAAAFAAAADwAAAAAAAAAAAAAAAAAAAkUAAAAAQAAABQAAAAUAAAAFAAAAAEAAAAAAAAAZAAAAGQAAAAAAAAAZAAAAGQAAAAVAAAAYAAAAAAAAAAAAAAADwAAACADAAAAAAAAAAAAAAEAAACgMgAAVgcAAKr4//8BAAAAf39/AAEAAABkAAAAAAAAABQAAABAHwAAAAAAACYAAAAAAAAAwOD//wAAAAAmAAAAZAAAABYAAABMAAAAAAAAAAAAAAAEAAAAAAAAAAEAAADn5uYKAAAAACgAAAAoAAAAZAAAAGQAAAAAAAAAzMzMAAAAAABQAAAAUAAAAGQAAABkAAAAAAAAABcAAAAUAAAAAAAAAAAAAAD/fwAA/38AAAAAAAAJAAAABAAAAAAAAAAeAAAAaAAAAAAAAAAAAAAAAAAAAAAAAAAAAAAAECcAABAnAAAAAAAAAAAAAAAAAAAAAAAAAAAAAAAAAAAAAAAAAAAAABQAAAAAAAAAwMD/AAAAAABkAAAAMgAAAAAAAABkAAAAAAAAAH9/fwAKAAAAIgAAABgAAAAAAAAAAAAAAAAAAAAAAAAAAAAAAAAAAAAkAAAAJAAAAAAAAAAHAAAAAAAAAAAAAAAAAAAAAAAAAAAAAAAAAAAAf39/ACUAAABYAAAAAAAAAAAAAAAAAAAAAAAAAAAAAAAAAAAAAAAAAAAAAAAAAAAAAAAAAAAAAAA/AAAAAAAAAKCGAQAAAAAAAAAAAAAAAAAMAAAAAQAAAAAAAAAAAAAAAAAAAB8AAABUAAAAAAAABQAAAAEAAAAAAAAAAAAAAAAAAAAAAAAAAAAAAAAAAAAAAAAAAAAAAAJ/f38AAAAAA8zMzADAwP8Af39/AAAAAAAAAAAAAAAAAAAAAAAAAAAAIQAAABgAAAAUAAAAViYAAN8JAABGRwAAihUAABAAAAAmAAAACAAAAD0gAAAAAAAA"/>
+                <pr:smNativeData xmlns:mc="http://schemas.openxmlformats.org/markup-compatibility/2006" xmlns:p14="http://schemas.microsoft.com/office/powerpoint/2010/main" xmlns:p15="http://schemas.microsoft.com/office/powerpoint/2012/main" xmlns:pr="smNativeData" xmlns="smNativeData" val="SMDATA_15_q5OGZBMAAAAlAAAAZAAAAA0AAAAAAAAAAAAAAAAAAAAAAAAAAAAAAAAAAAAAAAAAAAEAAABQAAAAAAAAAAAA4D8AAAAAAADgPwAAAAAAAOA/AAAAAAAA4D8AAAAAAADgPwAAAAAAAOA/AAAAAAAA4D8AAAAAAADgPwAAAAAAAOA/AAAAAAAA4D8CAAAAjAAAAAAAAAAAAAAARHLEDP///wgAAAAAAAAAAAAAAAAAAAAAAAAAAAAAAAAAAAAAZAAAAAEAAABAAAAAAAAAAAAAAAAAAAAAAAAAAAAAAAAAAAAAAAAAAAAAAAAAAAAAAAAAAAAAAAAAAAAAAAAAAAAAAAAAAAAAAAAAAAAAAAAAAAAAAAAAAAAAAAAAAAAAFAAAADwAAAAAAAAAAAAAAAAAAAkUAAAAAQAAABQAAAAUAAAAFAAAAAEAAAAAAAAAZAAAAGQAAAAAAAAAZAAAAGQAAAAVAAAAYAAAAAAAAAAAAAAADwAAACADAAAAAAAAAAAAAAEAAACgMgAAVgcAAKr4//8BAAAAf39/AAEAAABkAAAAAAAAABQAAABAHwAAAAAAACYAAAAAAAAAwOD//wAAAAAmAAAAZAAAABYAAABMAAAAAAAAAAAAAAAEAAAAAAAAAAEAAADn5uYKAAAAACgAAAAoAAAAZAAAAGQAAAAAAAAAzMzMAAAAAABQAAAAUAAAAGQAAABkAAAAAAAAABcAAAAUAAAAAAAAAAAAAAD/fwAA/38AAAAAAAAJAAAABAAAAAAAAAAeAAAAaAAAAAAAAAAAAAAAAAAAAAAAAAAAAAAAECcAABAnAAAAAAAAAAAAAAAAAAAAAAAAAAAAAAAAAAAAAAAAAAAAABQAAAAAAAAAwMD/AAAAAABkAAAAMgAAAAAAAABkAAAAAAAAAH9/fwAKAAAAIgAAABgAAAAAAAAAAAAAAAAAAAAAAAAAAAAAAAAAAAAkAAAAJAAAAAAAAAAHAAAAAAAAAAAAAAAAAAAAAAAAAAAAAAAAAAAAf39/ACUAAABYAAAAAAAAAAAAAAAAAAAAAAAAAAAAAAAAAAAAAAAAAAAAAAAAAAAAAAAAAAAAAAA/AAAAAAAAAKCGAQAAAAAAAAAAAAAAAAAMAAAAAQAAAAAAAAAAAAAAAAAAAB8AAABUAAAAAAAABQAAAAEAAAAAAAAAAAAAAAAAAAAAAAAAAAAAAAAAAAAAAAAAAAAAAAJ/f38AAAAAA8zMzADAwP8Af39/AAAAAAAAAAAAAAAAAAAAAAAAAAAAIQAAABgAAAAUAAAAViYAAN8JAABGRwAAihUAABAAAAAmAAAACAAAAD0gAAAAAAAA"/>
               </a:ext>
             </a:extLst>
           </p:cNvSpPr>
@@ -3558,7 +3561,7 @@
             <a:spLocks noGrp="1" noChangeArrowheads="1"/>
             <a:extLst>
               <a:ext uri="smNativeData">
-                <pr:smNativeData xmlns="smNativeData" xmlns:pr="smNativeData" xmlns:p15="http://schemas.microsoft.com/office/powerpoint/2012/main" xmlns:p14="http://schemas.microsoft.com/office/powerpoint/2010/main" xmlns:mc="http://schemas.openxmlformats.org/markup-compatibility/2006" val="SMDATA_15_q5OGZBMAAAAlAAAAZAAAAA0AAAAAAAAAAAAAAAAAAAAAAAAAAAAAAAAAAAAAAAAAAAEAAABQAAAAAAAAAAAA4D8AAAAAAADgPwAAAAAAAOA/AAAAAAAA4D8AAAAAAADgPwAAAAAAAOA/AAAAAAAA4D8AAAAAAADgPwAAAAAAAOA/AAAAAAAA4D8CAAAAjAAAAAAAAAAAAAAARHLEDP///wgAAAAAAAAAAAAAAAAAAAAAAAAAAAAAAAAAAAAAZAAAAAEAAABAAAAAAAAAAAAAAAAAAAAAAAAAAAAAAAAAAAAAAAAAAAAAAAAAAAAAAAAAAAAAAAAAAAAAAAAAAAAAAAAAAAAAAAAAAAAAAAAAAAAAAAAAAAAAAAAAAAAAFAAAADwAAAAAAAAAAAAAAAAAAAkUAAAAAQAAABQAAAAUAAAAFAAAAAEAAAAAAAAAZAAAAGQAAAAAAAAAZAAAAGQAAAAVAAAAYAAAAAAAAAAAAAAADwAAACADAAAAAAAAAAAAAAEAAACgMgAAVgcAAKr4//8BAAAAf39/AAEAAABkAAAAAAAAABQAAABAHwAAAAAAACYAAAAAAAAAwOD//wAAAAAmAAAAZAAAABYAAABMAAAAAAAAAAAAAAAEAAAAAAAAAAEAAADn5uYKAAAAACgAAAAoAAAAZAAAAGQAAAAAAAAAzMzMAAAAAABQAAAAUAAAAGQAAABkAAAAAAAAABcAAAAUAAAAAAAAAAAAAAD/fwAA/38AAAAAAAAJAAAABAAAAICqcwAeAAAAaAAAAAAAAAAAAAAAAAAAAAAAAAAAAAAAECcAABAnAAAAAAAAAAAAAAAAAAAAAAAAAAAAAAAAAAAAAAAAAAAAABQAAAAAAAAAwMD/AAAAAABkAAAAMgAAAAAAAABkAAAAAAAAAH9/fwAKAAAAIgAAABgAAAAAAAAAAAAAAAAAAAAAAAAAAAAAAAAAAAAkAAAAJAAAAAAAAAAHAAAAAAAAAAAAAAAAAAAAAAAAAAAAAAAAAAAAf39/ACUAAABYAAAAAAAAAAAAAAAAAAAAAAAAAAAAAAAAAAAAAAAAAAAAAAAAAAAAAAAAAAAAAAA/AAAAAAAAAKCGAQAAAAAAAAAAAAAAAAAMAAAAAQAAAAAAAAAAAAAAAAAAAB8AAABUAAAAAAAABQAAAAEAAAAAAAAAAAAAAAAAAAAAAAAAAAAAAAAAAAAAAAAAAAAAAAJ/f38AAAAAA8zMzADAwP8Af39/AAAAAAAAAAAAAAAAAAAAAAAAAAAAIQAAABgAAAAUAAAAwAMAAKcWAAA/RwAAUiIAABAAAAAmAAAACAAAAD0gAAAAAAAA"/>
+                <pr:smNativeData xmlns:mc="http://schemas.openxmlformats.org/markup-compatibility/2006" xmlns:p14="http://schemas.microsoft.com/office/powerpoint/2010/main" xmlns:p15="http://schemas.microsoft.com/office/powerpoint/2012/main" xmlns:pr="smNativeData" xmlns="smNativeData" val="SMDATA_15_q5OGZBMAAAAlAAAAZAAAAA0AAAAAAAAAAAAAAAAAAAAAAAAAAAAAAAAAAAAAAAAAAAEAAABQAAAAAAAAAAAA4D8AAAAAAADgPwAAAAAAAOA/AAAAAAAA4D8AAAAAAADgPwAAAAAAAOA/AAAAAAAA4D8AAAAAAADgPwAAAAAAAOA/AAAAAAAA4D8CAAAAjAAAAAAAAAAAAAAARHLEDP///wgAAAAAAAAAAAAAAAAAAAAAAAAAAAAAAAAAAAAAZAAAAAEAAABAAAAAAAAAAAAAAAAAAAAAAAAAAAAAAAAAAAAAAAAAAAAAAAAAAAAAAAAAAAAAAAAAAAAAAAAAAAAAAAAAAAAAAAAAAAAAAAAAAAAAAAAAAAAAAAAAAAAAFAAAADwAAAAAAAAAAAAAAAAAAAkUAAAAAQAAABQAAAAUAAAAFAAAAAEAAAAAAAAAZAAAAGQAAAAAAAAAZAAAAGQAAAAVAAAAYAAAAAAAAAAAAAAADwAAACADAAAAAAAAAAAAAAEAAACgMgAAVgcAAKr4//8BAAAAf39/AAEAAABkAAAAAAAAABQAAABAHwAAAAAAACYAAAAAAAAAwOD//wAAAAAmAAAAZAAAABYAAABMAAAAAAAAAAAAAAAEAAAAAAAAAAEAAADn5uYKAAAAACgAAAAoAAAAZAAAAGQAAAAAAAAAzMzMAAAAAABQAAAAUAAAAGQAAABkAAAAAAAAABcAAAAUAAAAAAAAAAAAAAD/fwAA/38AAAAAAAAJAAAABAAAAICqcwAeAAAAaAAAAAAAAAAAAAAAAAAAAAAAAAAAAAAAECcAABAnAAAAAAAAAAAAAAAAAAAAAAAAAAAAAAAAAAAAAAAAAAAAABQAAAAAAAAAwMD/AAAAAABkAAAAMgAAAAAAAABkAAAAAAAAAH9/fwAKAAAAIgAAABgAAAAAAAAAAAAAAAAAAAAAAAAAAAAAAAAAAAAkAAAAJAAAAAAAAAAHAAAAAAAAAAAAAAAAAAAAAAAAAAAAAAAAAAAAf39/ACUAAABYAAAAAAAAAAAAAAAAAAAAAAAAAAAAAAAAAAAAAAAAAAAAAAAAAAAAAAAAAAAAAAA/AAAAAAAAAKCGAQAAAAAAAAAAAAAAAAAMAAAAAQAAAAAAAAAAAAAAAAAAAB8AAABUAAAAAAAABQAAAAEAAAAAAAAAAAAAAAAAAAAAAAAAAAAAAAAAAAAAAAAAAAAAAAJ/f38AAAAAA8zMzADAwP8Af39/AAAAAAAAAAAAAAAAAAAAAAAAAAAAIQAAABgAAAAUAAAAwAMAAKcWAAA/RwAAUiIAABAAAAAmAAAACAAAAD0gAAAAAAAA"/>
               </a:ext>
             </a:extLst>
           </p:cNvSpPr>
@@ -3619,7 +3622,7 @@
             <a:spLocks noGrp="1" noChangeArrowheads="1"/>
             <a:extLst>
               <a:ext uri="smNativeData">
-                <pr:smNativeData xmlns="smNativeData" xmlns:pr="smNativeData" xmlns:p15="http://schemas.microsoft.com/office/powerpoint/2012/main" xmlns:p14="http://schemas.microsoft.com/office/powerpoint/2010/main" xmlns:mc="http://schemas.openxmlformats.org/markup-compatibility/2006" val="SMDATA_15_q5OGZBMAAAAlAAAAZAAAAA0AAAAAAAAAAAAAAAAAAAAAAAAAAAAAAAABAAAAAAAAAAEAAABQAAAAAAAAAAAA4D8AAAAAAADgPwAAAAAAAOA/AAAAAAAA4D8AAAAAAADgPwAAAAAAAOA/AAAAAAAA4D8AAAAAAADgPwAAAAAAAOA/AAAAAAAA4D8CAAAAjAAAAAAAAAAAAAAARHLEDP///wgAAAAAAAAAAAAAAAAAAAAAAAAAAAAAAAAAAAAAZAAAAAEAAABAAAAAAAAAAAAAAAAAAAAAAAAAAAAAAAAAAAAAAAAAAAAAAAAAAAAAAAAAAAAAAAAAAAAAAAAAAAAAAAAAAAAAAAAAAAAAAAAAAAAAAAAAAAAAAAAAAAAAFAAAADwAAAAAAAAAAAAAAAAAAAkUAAAAAQAAABQAAAAUAAAAFAAAAAEAAAAAAAAAZAAAAGQAAAAAAAAAZAAAAGQAAAAVAAAAYAAAAAAAAAAAAAAADwAAACADAAAAAAAAAAAAAAEAAACgMgAAVgcAAKr4//8BAAAAf39/AAEAAABkAAAAAAAAABQAAABAHwAAAAAAACYAAAAAAAAAwOD//wAAAAAmAAAAZAAAABYAAABMAAAAAAAAAAAAAAAEAAAAAAAAAAEAAADn5uYKAAAAACgAAAAoAAAAZAAAAGQAAAAAAAAAzMzMAAAAAABQAAAAUAAAAGQAAABkAAAAAAAAABcAAAAUAAAAAAAAAAAAAAD/fwAA/38AAAAAAAAJAAAABAAAAAAAAAAeAAAAaAAAAAAAAAAAAAAAAAAAAAAAAAAAAAAAECcAABAnAAAAAAAAAAAAAAAAAAAAAAAAAAAAAAAAAAAAAAAAAAAAABQAAAAAAAAAwMD/AAAAAABkAAAAMgAAAAAAAABkAAAAAAAAAH9/fwAKAAAAIgAAABgAAAAAAAAAAAAAAAAAAAAAAAAAAAAAAAAAAAAkAAAAJAAAAAAAAAAHAAAAAAAAAAAAAAAAAAAAAAAAAAAAAAAAAAAAf39/ACUAAABYAAAAAAAAAAAAAAAAAAAAAAAAAAAAAAAAAAAAAAAAAAAAAAAAAAAAAAAAAAAAAAA/AAAAAAAAAKCGAQAAAAAAAAAAAAAAAAAMAAAAAQAAAAAAAAAAAAAAAAAAAB8AAABUAAAAAAAABQAAAAEAAAAAAAAAAAAAAAAAAAAAAAAAAAAAAAAAAAAAAAAAAAAAAAJ/f38AAAAAA8zMzADAwP8Af39/AAAAAAAAAAAAAAAAAAAAAAAAAAAAIQAAABgAAAAUAAAAwAMAAK8BAAA/RwAAuggAABAAAAAmAAAACAAAADwgAAAAAAAA"/>
+                <pr:smNativeData xmlns:mc="http://schemas.openxmlformats.org/markup-compatibility/2006" xmlns:p14="http://schemas.microsoft.com/office/powerpoint/2010/main" xmlns:p15="http://schemas.microsoft.com/office/powerpoint/2012/main" xmlns:pr="smNativeData" xmlns="smNativeData" val="SMDATA_15_q5OGZBMAAAAlAAAAZAAAAA0AAAAAAAAAAAAAAAAAAAAAAAAAAAAAAAABAAAAAAAAAAEAAABQAAAAAAAAAAAA4D8AAAAAAADgPwAAAAAAAOA/AAAAAAAA4D8AAAAAAADgPwAAAAAAAOA/AAAAAAAA4D8AAAAAAADgPwAAAAAAAOA/AAAAAAAA4D8CAAAAjAAAAAAAAAAAAAAARHLEDP///wgAAAAAAAAAAAAAAAAAAAAAAAAAAAAAAAAAAAAAZAAAAAEAAABAAAAAAAAAAAAAAAAAAAAAAAAAAAAAAAAAAAAAAAAAAAAAAAAAAAAAAAAAAAAAAAAAAAAAAAAAAAAAAAAAAAAAAAAAAAAAAAAAAAAAAAAAAAAAAAAAAAAAFAAAADwAAAAAAAAAAAAAAAAAAAkUAAAAAQAAABQAAAAUAAAAFAAAAAEAAAAAAAAAZAAAAGQAAAAAAAAAZAAAAGQAAAAVAAAAYAAAAAAAAAAAAAAADwAAACADAAAAAAAAAAAAAAEAAACgMgAAVgcAAKr4//8BAAAAf39/AAEAAABkAAAAAAAAABQAAABAHwAAAAAAACYAAAAAAAAAwOD//wAAAAAmAAAAZAAAABYAAABMAAAAAAAAAAAAAAAEAAAAAAAAAAEAAADn5uYKAAAAACgAAAAoAAAAZAAAAGQAAAAAAAAAzMzMAAAAAABQAAAAUAAAAGQAAABkAAAAAAAAABcAAAAUAAAAAAAAAAAAAAD/fwAA/38AAAAAAAAJAAAABAAAAAAAAAAeAAAAaAAAAAAAAAAAAAAAAAAAAAAAAAAAAAAAECcAABAnAAAAAAAAAAAAAAAAAAAAAAAAAAAAAAAAAAAAAAAAAAAAABQAAAAAAAAAwMD/AAAAAABkAAAAMgAAAAAAAABkAAAAAAAAAH9/fwAKAAAAIgAAABgAAAAAAAAAAAAAAAAAAAAAAAAAAAAAAAAAAAAkAAAAJAAAAAAAAAAHAAAAAAAAAAAAAAAAAAAAAAAAAAAAAAAAAAAAf39/ACUAAABYAAAAAAAAAAAAAAAAAAAAAAAAAAAAAAAAAAAAAAAAAAAAAAAAAAAAAAAAAAAAAAA/AAAAAAAAAKCGAQAAAAAAAAAAAAAAAAAMAAAAAQAAAAAAAAAAAAAAAAAAAB8AAABUAAAAAAAABQAAAAEAAAAAAAAAAAAAAAAAAAAAAAAAAAAAAAAAAAAAAAAAAAAAAAJ/f38AAAAAA8zMzADAwP8Af39/AAAAAAAAAAAAAAAAAAAAAAAAAAAAIQAAABgAAAAUAAAAwAMAAK8BAAA/RwAAuggAABAAAAAmAAAACAAAADwgAAAAAAAA"/>
               </a:ext>
             </a:extLst>
           </p:cNvSpPr>
@@ -3650,7 +3653,7 @@
             <a:spLocks noGrp="1" noChangeArrowheads="1"/>
             <a:extLst>
               <a:ext uri="smNativeData">
-                <pr:smNativeData xmlns="smNativeData" xmlns:pr="smNativeData" xmlns:p15="http://schemas.microsoft.com/office/powerpoint/2012/main" xmlns:p14="http://schemas.microsoft.com/office/powerpoint/2010/main" xmlns:mc="http://schemas.openxmlformats.org/markup-compatibility/2006" val="SMDATA_15_q5OGZBMAAAAlAAAAZAAAAA0AAAAAAAAAAAAAAAAAAAAAAAAAAAAAAAAAAAAAAAAAAAEAAABQAAAAAAAAAAAA4D8AAAAAAADgPwAAAAAAAOA/AAAAAAAA4D8AAAAAAADgPwAAAAAAAOA/AAAAAAAA4D8AAAAAAADgPwAAAAAAAOA/AAAAAAAA4D8CAAAAjAAAAAAAAAAAAAAARHLEDP///wgAAAAAAAAAAAAAAAAAAAAAAAAAAAAAAAAAAAAAZAAAAAEAAABAAAAAAAAAAAAAAAAAAAAAAAAAAAAAAAAAAAAAAAAAAAAAAAAAAAAAAAAAAAAAAAAAAAAAAAAAAAAAAAAAAAAAAAAAAAAAAAAAAAAAAAAAAAAAAAAAAAAAFAAAADwAAAAAAAAAAAAAAAAAAAkUAAAAAQAAABQAAAAUAAAAFAAAAAEAAAAAAAAAZAAAAGQAAAAAAAAAZAAAAGQAAAAVAAAAYAAAAAAAAAAAAAAADwAAACADAAAAAAAAAAAAAAEAAACgMgAAVgcAAKr4//8BAAAAf39/AAEAAABkAAAAAAAAABQAAABAHwAAAAAAACYAAAAAAAAAwOD//wAAAAAmAAAAZAAAABYAAABMAAAAAAAAAAAAAAAEAAAAAAAAAAEAAADn5uYKAAAAACgAAAAoAAAAZAAAAGQAAAAAAAAAzMzMAAAAAABQAAAAUAAAAGQAAABkAAAAAAAAABcAAAAUAAAAAAAAAAAAAAD/fwAA/38AAAAAAAAJAAAABAAAAAAAAAAeAAAAaAAAAAAAAAAAAAAAAAAAAAAAAAAAAAAAECcAABAnAAAAAAAAAAAAAAAAAAAAAAAAAAAAAAAAAAAAAAAAAAAAABQAAAAAAAAAwMD/AAAAAABkAAAAMgAAAAAAAABkAAAAAAAAAH9/fwAKAAAAIgAAABgAAAAAAAAAAAAAAAAAAAAAAAAAAAAAAAAAAAAkAAAAJAAAAAAAAAAHAAAAAAAAAAAAAAAAAAAAAAAAAAAAAAAAAAAAf39/ACUAAABYAAAAAAAAAAAAAAAAAAAAAAAAAAAAAAAAAAAAAAAAAAAAAAAAAAAAAAAAAAAAAAA/AAAAAAAAAKCGAQAAAAAAAAAAAAAAAAAMAAAAAQAAAAAAAAAAAAAAAAAAAB8AAABUAAAAAAAABQAAAAEAAAAAAAAAAAAAAAAAAAAAAAAAAAAAAAAAAAAAAAAAAAAAAAJ/f38AAAAAA8zMzADAwP8Af39/AAAAAAAAAAAAAAAAAAAAAAAAAAAAIQAAABgAAAAUAAAAwAMAAN8JAAA/RwAAihUAABAAAAAmAAAACAAAAD0gAAAAAAAA"/>
+                <pr:smNativeData xmlns:mc="http://schemas.openxmlformats.org/markup-compatibility/2006" xmlns:p14="http://schemas.microsoft.com/office/powerpoint/2010/main" xmlns:p15="http://schemas.microsoft.com/office/powerpoint/2012/main" xmlns:pr="smNativeData" xmlns="smNativeData" val="SMDATA_15_q5OGZBMAAAAlAAAAZAAAAA0AAAAAAAAAAAAAAAAAAAAAAAAAAAAAAAAAAAAAAAAAAAEAAABQAAAAAAAAAAAA4D8AAAAAAADgPwAAAAAAAOA/AAAAAAAA4D8AAAAAAADgPwAAAAAAAOA/AAAAAAAA4D8AAAAAAADgPwAAAAAAAOA/AAAAAAAA4D8CAAAAjAAAAAAAAAAAAAAARHLEDP///wgAAAAAAAAAAAAAAAAAAAAAAAAAAAAAAAAAAAAAZAAAAAEAAABAAAAAAAAAAAAAAAAAAAAAAAAAAAAAAAAAAAAAAAAAAAAAAAAAAAAAAAAAAAAAAAAAAAAAAAAAAAAAAAAAAAAAAAAAAAAAAAAAAAAAAAAAAAAAAAAAAAAAFAAAADwAAAAAAAAAAAAAAAAAAAkUAAAAAQAAABQAAAAUAAAAFAAAAAEAAAAAAAAAZAAAAGQAAAAAAAAAZAAAAGQAAAAVAAAAYAAAAAAAAAAAAAAADwAAACADAAAAAAAAAAAAAAEAAACgMgAAVgcAAKr4//8BAAAAf39/AAEAAABkAAAAAAAAABQAAABAHwAAAAAAACYAAAAAAAAAwOD//wAAAAAmAAAAZAAAABYAAABMAAAAAAAAAAAAAAAEAAAAAAAAAAEAAADn5uYKAAAAACgAAAAoAAAAZAAAAGQAAAAAAAAAzMzMAAAAAABQAAAAUAAAAGQAAABkAAAAAAAAABcAAAAUAAAAAAAAAAAAAAD/fwAA/38AAAAAAAAJAAAABAAAAAAAAAAeAAAAaAAAAAAAAAAAAAAAAAAAAAAAAAAAAAAAECcAABAnAAAAAAAAAAAAAAAAAAAAAAAAAAAAAAAAAAAAAAAAAAAAABQAAAAAAAAAwMD/AAAAAABkAAAAMgAAAAAAAABkAAAAAAAAAH9/fwAKAAAAIgAAABgAAAAAAAAAAAAAAAAAAAAAAAAAAAAAAAAAAAAkAAAAJAAAAAAAAAAHAAAAAAAAAAAAAAAAAAAAAAAAAAAAAAAAAAAAf39/ACUAAABYAAAAAAAAAAAAAAAAAAAAAAAAAAAAAAAAAAAAAAAAAAAAAAAAAAAAAAAAAAAAAAA/AAAAAAAAAKCGAQAAAAAAAAAAAAAAAAAMAAAAAQAAAAAAAAAAAAAAAAAAAB8AAABUAAAAAAAABQAAAAEAAAAAAAAAAAAAAAAAAAAAAAAAAAAAAAAAAAAAAAAAAAAAAAJ/f38AAAAAA8zMzADAwP8Af39/AAAAAAAAAAAAAAAAAAAAAAAAAAAAIQAAABgAAAAUAAAAwAMAAN8JAAA/RwAAihUAABAAAAAmAAAACAAAAD0gAAAAAAAA"/>
               </a:ext>
             </a:extLst>
           </p:cNvSpPr>
@@ -3686,7 +3689,7 @@
             <a:spLocks noGrp="1" noChangeArrowheads="1"/>
             <a:extLst>
               <a:ext uri="smNativeData">
-                <pr:smNativeData xmlns="smNativeData" xmlns:pr="smNativeData" xmlns:p15="http://schemas.microsoft.com/office/powerpoint/2012/main" xmlns:p14="http://schemas.microsoft.com/office/powerpoint/2010/main" xmlns:mc="http://schemas.openxmlformats.org/markup-compatibility/2006" val="SMDATA_15_q5OGZBMAAAAlAAAAZAAAAA0AAAAAAAAAAAAAAAAAAAAAAAAAAAAAAAAAAAAAAAAAAAEAAABQAAAAAAAAAAAA4D8AAAAAAADgPwAAAAAAAOA/AAAAAAAA4D8AAAAAAADgPwAAAAAAAOA/AAAAAAAA4D8AAAAAAADgPwAAAAAAAOA/AAAAAAAA4D8CAAAAjAAAAAAAAAAAAAAARHLEDP///wgAAAAAAAAAAAAAAAAAAAAAAAAAAAAAAAAAAAAAZAAAAAEAAABAAAAAAAAAAAAAAAAAAAAAAAAAAAAAAAAAAAAAAAAAAAAAAAAAAAAAAAAAAAAAAAAAAAAAAAAAAAAAAAAAAAAAAAAAAAAAAAAAAAAAAAAAAAAAAAAAAAAAFAAAADwAAAAAAAAAAAAAAAAAAAkUAAAAAQAAABQAAAAUAAAAFAAAAAEAAAAAAAAAZAAAAGQAAAAAAAAAZAAAAGQAAAAVAAAAYAAAAAAAAAAAAAAADwAAACADAAAAAAAAAAAAAAEAAACgMgAAVgcAAKr4//8BAAAAf39/AAEAAABkAAAAAAAAABQAAABAHwAAAAAAACYAAAAAAAAAwOD//wAAAAAmAAAAZAAAABYAAABMAAAAAAAAAAAAAAAEAAAAAAAAAAEAAADn5uYKAAAAACgAAAAoAAAAZAAAAGQAAAAAAAAAzMzMAAAAAABQAAAAUAAAAGQAAABkAAAAAAAAABcAAAAUAAAAAAAAAAAAAAD/fwAA/38AAAAAAAAJAAAABAAAAAAAAAAeAAAAaAAAAAAAAAAAAAAAAAAAAAAAAAAAAAAAECcAABAnAAAAAAAAAAAAAAAAAAAAAAAAAAAAAAAAAAAAAAAAAAAAABQAAAAAAAAAwMD/AAAAAABkAAAAMgAAAAAAAABkAAAAAAAAAH9/fwAKAAAAIgAAABgAAAAAAAAAAAAAAAAAAAAAAAAAAAAAAAAAAAAkAAAAJAAAAAAAAAAHAAAAAAAAAAAAAAAAAAAAAAAAAAAAAAAAAAAAf39/ACUAAABYAAAAAAAAAAAAAAAAAAAAAAAAAAAAAAAAAAAAAAAAAAAAAAAAAAAAAAAAAAAAAAA/AAAAAAAAAKCGAQAAAAAAAAAAAAAAAAAMAAAAAQAAAAAAAAAAAAAAAAAAAB8AAABUAAAAAAAABQAAAAEAAAAAAAAAAAAAAAAAAAAAAAAAAAAAAAAAAAAAAAAAAAAAAAJ/f38AAAAAA8zMzADAwP8Af39/AAAAAAAAAAAAAAAAAAAAAAAAAAAAIQAAABgAAAAUAAAAwAMAAKcWAAA/RwAAUiIAABAAAAAmAAAACAAAAD0gAAAAAAAA"/>
+                <pr:smNativeData xmlns:mc="http://schemas.openxmlformats.org/markup-compatibility/2006" xmlns:p14="http://schemas.microsoft.com/office/powerpoint/2010/main" xmlns:p15="http://schemas.microsoft.com/office/powerpoint/2012/main" xmlns:pr="smNativeData" xmlns="smNativeData" val="SMDATA_15_q5OGZBMAAAAlAAAAZAAAAA0AAAAAAAAAAAAAAAAAAAAAAAAAAAAAAAAAAAAAAAAAAAEAAABQAAAAAAAAAAAA4D8AAAAAAADgPwAAAAAAAOA/AAAAAAAA4D8AAAAAAADgPwAAAAAAAOA/AAAAAAAA4D8AAAAAAADgPwAAAAAAAOA/AAAAAAAA4D8CAAAAjAAAAAAAAAAAAAAARHLEDP///wgAAAAAAAAAAAAAAAAAAAAAAAAAAAAAAAAAAAAAZAAAAAEAAABAAAAAAAAAAAAAAAAAAAAAAAAAAAAAAAAAAAAAAAAAAAAAAAAAAAAAAAAAAAAAAAAAAAAAAAAAAAAAAAAAAAAAAAAAAAAAAAAAAAAAAAAAAAAAAAAAAAAAFAAAADwAAAAAAAAAAAAAAAAAAAkUAAAAAQAAABQAAAAUAAAAFAAAAAEAAAAAAAAAZAAAAGQAAAAAAAAAZAAAAGQAAAAVAAAAYAAAAAAAAAAAAAAADwAAACADAAAAAAAAAAAAAAEAAACgMgAAVgcAAKr4//8BAAAAf39/AAEAAABkAAAAAAAAABQAAABAHwAAAAAAACYAAAAAAAAAwOD//wAAAAAmAAAAZAAAABYAAABMAAAAAAAAAAAAAAAEAAAAAAAAAAEAAADn5uYKAAAAACgAAAAoAAAAZAAAAGQAAAAAAAAAzMzMAAAAAABQAAAAUAAAAGQAAABkAAAAAAAAABcAAAAUAAAAAAAAAAAAAAD/fwAA/38AAAAAAAAJAAAABAAAAAAAAAAeAAAAaAAAAAAAAAAAAAAAAAAAAAAAAAAAAAAAECcAABAnAAAAAAAAAAAAAAAAAAAAAAAAAAAAAAAAAAAAAAAAAAAAABQAAAAAAAAAwMD/AAAAAABkAAAAMgAAAAAAAABkAAAAAAAAAH9/fwAKAAAAIgAAABgAAAAAAAAAAAAAAAAAAAAAAAAAAAAAAAAAAAAkAAAAJAAAAAAAAAAHAAAAAAAAAAAAAAAAAAAAAAAAAAAAAAAAAAAAf39/ACUAAABYAAAAAAAAAAAAAAAAAAAAAAAAAAAAAAAAAAAAAAAAAAAAAAAAAAAAAAAAAAAAAAA/AAAAAAAAAKCGAQAAAAAAAAAAAAAAAAAMAAAAAQAAAAAAAAAAAAAAAAAAAB8AAABUAAAAAAAABQAAAAEAAAAAAAAAAAAAAAAAAAAAAAAAAAAAAAAAAAAAAAAAAAAAAAJ/f38AAAAAA8zMzADAwP8Af39/AAAAAAAAAAAAAAAAAAAAAAAAAAAAIQAAABgAAAAUAAAAwAMAAKcWAAA/RwAAUiIAABAAAAAmAAAACAAAAD0gAAAAAAAA"/>
               </a:ext>
             </a:extLst>
           </p:cNvSpPr>
@@ -3747,7 +3750,7 @@
             <a:spLocks noGrp="1" noChangeArrowheads="1"/>
             <a:extLst>
               <a:ext uri="smNativeData">
-                <pr:smNativeData xmlns="smNativeData" xmlns:pr="smNativeData" xmlns:p15="http://schemas.microsoft.com/office/powerpoint/2012/main" xmlns:p14="http://schemas.microsoft.com/office/powerpoint/2010/main" xmlns:mc="http://schemas.openxmlformats.org/markup-compatibility/2006" val="SMDATA_15_q5OGZBMAAAAlAAAAZAAAAA0AAAAAAAAAAAAAAAAAAAAAAAAAAAAAAAABAAAAAAAAAAEAAABQAAAAAAAAAAAA4D8AAAAAAADgPwAAAAAAAOA/AAAAAAAA4D8AAAAAAADgPwAAAAAAAOA/AAAAAAAA4D8AAAAAAADgPwAAAAAAAOA/AAAAAAAA4D8CAAAAjAAAAAAAAAAAAAAARHLEDP///wgAAAAAAAAAAAAAAAAAAAAAAAAAAAAAAAAAAAAAZAAAAAEAAABAAAAAAAAAAAAAAAAAAAAAAAAAAAAAAAAAAAAAAAAAAAAAAAAAAAAAAAAAAAAAAAAAAAAAAAAAAAAAAAAAAAAAAAAAAAAAAAAAAAAAAAAAAAAAAAAAAAAAFAAAADwAAAAAAAAAAAAAAAAAAAkUAAAAAQAAABQAAAAUAAAAFAAAAAEAAAAAAAAAZAAAAGQAAAAAAAAAZAAAAGQAAAAVAAAAYAAAAAAAAAAAAAAADwAAACADAAAAAAAAAAAAAAEAAACgMgAAVgcAAKr4//8BAAAAf39/AAEAAABkAAAAAAAAABQAAABAHwAAAAAAACYAAAAAAAAAwOD//wAAAAAmAAAAZAAAABYAAABMAAAAAAAAAAAAAAAEAAAAAAAAAAEAAADn5uYKAAAAACgAAAAoAAAAZAAAAGQAAAAAAAAAzMzMAAAAAABQAAAAUAAAAGQAAABkAAAAAAAAABcAAAAUAAAAAAAAAAAAAAD/fwAA/38AAAAAAAAJAAAABAAAAAAAAAAeAAAAaAAAAAAAAAAAAAAAAAAAAAAAAAAAAAAAECcAABAnAAAAAAAAAAAAAAAAAAAAAAAAAAAAAAAAAAAAAAAAAAAAABQAAAAAAAAAwMD/AAAAAABkAAAAMgAAAAAAAABkAAAAAAAAAH9/fwAKAAAAIgAAABgAAAAAAAAAAAAAAAAAAAAAAAAAAAAAAAAAAAAkAAAAJAAAAAAAAAAHAAAAAAAAAAAAAAAAAAAAAAAAAAAAAAAAAAAAf39/ACUAAABYAAAAAAAAAAAAAAAAAAAAAAAAAAAAAAAAAAAAAAAAAAAAAAAAAAAAAAAAAAAAAAA/AAAAAAAAAKCGAQAAAAAAAAAAAAAAAAAMAAAAAQAAAAAAAAAAAAAAAAAAAB8AAABUAAAAAAAABQAAAAEAAAAAAAAAAAAAAAAAAAAAAAAAAAAAAAAAAAAAAAAAAAAAAAJ/f38AAAAAA8zMzADAwP8Af39/AAAAAAAAAAAAAAAAAAAAAAAAAAAAIQAAABgAAAAUAAAAwAMAAK8BAAA/RwAAuggAABAAAAAmAAAACAAAADwgAAAAAAAA"/>
+                <pr:smNativeData xmlns:mc="http://schemas.openxmlformats.org/markup-compatibility/2006" xmlns:p14="http://schemas.microsoft.com/office/powerpoint/2010/main" xmlns:p15="http://schemas.microsoft.com/office/powerpoint/2012/main" xmlns:pr="smNativeData" xmlns="smNativeData" val="SMDATA_15_q5OGZBMAAAAlAAAAZAAAAA0AAAAAAAAAAAAAAAAAAAAAAAAAAAAAAAABAAAAAAAAAAEAAABQAAAAAAAAAAAA4D8AAAAAAADgPwAAAAAAAOA/AAAAAAAA4D8AAAAAAADgPwAAAAAAAOA/AAAAAAAA4D8AAAAAAADgPwAAAAAAAOA/AAAAAAAA4D8CAAAAjAAAAAAAAAAAAAAARHLEDP///wgAAAAAAAAAAAAAAAAAAAAAAAAAAAAAAAAAAAAAZAAAAAEAAABAAAAAAAAAAAAAAAAAAAAAAAAAAAAAAAAAAAAAAAAAAAAAAAAAAAAAAAAAAAAAAAAAAAAAAAAAAAAAAAAAAAAAAAAAAAAAAAAAAAAAAAAAAAAAAAAAAAAAFAAAADwAAAAAAAAAAAAAAAAAAAkUAAAAAQAAABQAAAAUAAAAFAAAAAEAAAAAAAAAZAAAAGQAAAAAAAAAZAAAAGQAAAAVAAAAYAAAAAAAAAAAAAAADwAAACADAAAAAAAAAAAAAAEAAACgMgAAVgcAAKr4//8BAAAAf39/AAEAAABkAAAAAAAAABQAAABAHwAAAAAAACYAAAAAAAAAwOD//wAAAAAmAAAAZAAAABYAAABMAAAAAAAAAAAAAAAEAAAAAAAAAAEAAADn5uYKAAAAACgAAAAoAAAAZAAAAGQAAAAAAAAAzMzMAAAAAABQAAAAUAAAAGQAAABkAAAAAAAAABcAAAAUAAAAAAAAAAAAAAD/fwAA/38AAAAAAAAJAAAABAAAAAAAAAAeAAAAaAAAAAAAAAAAAAAAAAAAAAAAAAAAAAAAECcAABAnAAAAAAAAAAAAAAAAAAAAAAAAAAAAAAAAAAAAAAAAAAAAABQAAAAAAAAAwMD/AAAAAABkAAAAMgAAAAAAAABkAAAAAAAAAH9/fwAKAAAAIgAAABgAAAAAAAAAAAAAAAAAAAAAAAAAAAAAAAAAAAAkAAAAJAAAAAAAAAAHAAAAAAAAAAAAAAAAAAAAAAAAAAAAAAAAAAAAf39/ACUAAABYAAAAAAAAAAAAAAAAAAAAAAAAAAAAAAAAAAAAAAAAAAAAAAAAAAAAAAAAAAAAAAA/AAAAAAAAAKCGAQAAAAAAAAAAAAAAAAAMAAAAAQAAAAAAAAAAAAAAAAAAAB8AAABUAAAAAAAABQAAAAEAAAAAAAAAAAAAAAAAAAAAAAAAAAAAAAAAAAAAAAAAAAAAAAJ/f38AAAAAA8zMzADAwP8Af39/AAAAAAAAAAAAAAAAAAAAAAAAAAAAIQAAABgAAAAUAAAAwAMAAK8BAAA/RwAAuggAABAAAAAmAAAACAAAADwgAAAAAAAA"/>
               </a:ext>
             </a:extLst>
           </p:cNvSpPr>
@@ -3778,7 +3781,7 @@
             <a:spLocks noGrp="1" noChangeArrowheads="1"/>
             <a:extLst>
               <a:ext uri="smNativeData">
-                <pr:smNativeData xmlns="smNativeData" xmlns:pr="smNativeData" xmlns:p15="http://schemas.microsoft.com/office/powerpoint/2012/main" xmlns:p14="http://schemas.microsoft.com/office/powerpoint/2010/main" xmlns:mc="http://schemas.openxmlformats.org/markup-compatibility/2006" val="SMDATA_15_q5OGZBMAAAAlAAAAZAAAAA0AAAAAAAAAAAAAAAAAAAAAAAAAAAAAAAAAAAAAAAAAAAEAAABQAAAAAAAAAAAA4D8AAAAAAADgPwAAAAAAAOA/AAAAAAAA4D8AAAAAAADgPwAAAAAAAOA/AAAAAAAA4D8AAAAAAADgPwAAAAAAAOA/AAAAAAAA4D8CAAAAjAAAAAAAAAAAAAAARHLEDP///wgAAAAAAAAAAAAAAAAAAAAAAAAAAAAAAAAAAAAAZAAAAAEAAABAAAAAAAAAAAAAAAAAAAAAAAAAAAAAAAAAAAAAAAAAAAAAAAAAAAAAAAAAAAAAAAAAAAAAAAAAAAAAAAAAAAAAAAAAAAAAAAAAAAAAAAAAAAAAAAAAAAAAFAAAADwAAAAAAAAAAAAAAAAAAAkUAAAAAQAAABQAAAAUAAAAFAAAAAEAAAAAAAAAZAAAAGQAAAAAAAAAZAAAAGQAAAAVAAAAYAAAAAAAAAAAAAAADwAAACADAAAAAAAAAAAAAAEAAACgMgAAVgcAAKr4//8BAAAAf39/AAEAAABkAAAAAAAAABQAAABAHwAAAAAAACYAAAAAAAAAwOD//wAAAAAmAAAAZAAAABYAAABMAAAAAAAAAAAAAAAEAAAAAAAAAAEAAADn5uYKAAAAACgAAAAoAAAAZAAAAGQAAAAAAAAAzMzMAAAAAABQAAAAUAAAAGQAAABkAAAAAAAAABcAAAAUAAAAAAAAAAAAAAD/fwAA/38AAAAAAAAJAAAABAAAAAAAAAAeAAAAaAAAAAAAAAAAAAAAAAAAAAAAAAAAAAAAECcAABAnAAAAAAAAAAAAAAAAAAAAAAAAAAAAAAAAAAAAAAAAAAAAABQAAAAAAAAAwMD/AAAAAABkAAAAMgAAAAAAAABkAAAAAAAAAH9/fwAKAAAAIgAAABgAAAAAAAAAAAAAAAAAAAAAAAAAAAAAAAAAAAAkAAAAJAAAAAAAAAAHAAAAAAAAAAAAAAAAAAAAAAAAAAAAAAAAAAAAf39/ACUAAABYAAAAAAAAAAAAAAAAAAAAAAAAAAAAAAAAAAAAAAAAAAAAAAAAAAAAAAAAAAAAAAA/AAAAAAAAAKCGAQAAAAAAAAAAAAAAAAAMAAAAAQAAAAAAAAAAAAAAAAAAAB8AAABUAAAAAAAABQAAAAEAAAAAAAAAAAAAAAAAAAAAAAAAAAAAAAAAAAAAAAAAAAAAAAJ/f38AAAAAA8zMzADAwP8Af39/AAAAAAAAAAAAAAAAAAAAAAAAAAAAIQAAABgAAAAUAAAAwAMAAN8JAACwJAAAihUAABAAAAAmAAAACAAAAD0gAAAAAAAA"/>
+                <pr:smNativeData xmlns:mc="http://schemas.openxmlformats.org/markup-compatibility/2006" xmlns:p14="http://schemas.microsoft.com/office/powerpoint/2010/main" xmlns:p15="http://schemas.microsoft.com/office/powerpoint/2012/main" xmlns:pr="smNativeData" xmlns="smNativeData" val="SMDATA_15_q5OGZBMAAAAlAAAAZAAAAA0AAAAAAAAAAAAAAAAAAAAAAAAAAAAAAAAAAAAAAAAAAAEAAABQAAAAAAAAAAAA4D8AAAAAAADgPwAAAAAAAOA/AAAAAAAA4D8AAAAAAADgPwAAAAAAAOA/AAAAAAAA4D8AAAAAAADgPwAAAAAAAOA/AAAAAAAA4D8CAAAAjAAAAAAAAAAAAAAARHLEDP///wgAAAAAAAAAAAAAAAAAAAAAAAAAAAAAAAAAAAAAZAAAAAEAAABAAAAAAAAAAAAAAAAAAAAAAAAAAAAAAAAAAAAAAAAAAAAAAAAAAAAAAAAAAAAAAAAAAAAAAAAAAAAAAAAAAAAAAAAAAAAAAAAAAAAAAAAAAAAAAAAAAAAAFAAAADwAAAAAAAAAAAAAAAAAAAkUAAAAAQAAABQAAAAUAAAAFAAAAAEAAAAAAAAAZAAAAGQAAAAAAAAAZAAAAGQAAAAVAAAAYAAAAAAAAAAAAAAADwAAACADAAAAAAAAAAAAAAEAAACgMgAAVgcAAKr4//8BAAAAf39/AAEAAABkAAAAAAAAABQAAABAHwAAAAAAACYAAAAAAAAAwOD//wAAAAAmAAAAZAAAABYAAABMAAAAAAAAAAAAAAAEAAAAAAAAAAEAAADn5uYKAAAAACgAAAAoAAAAZAAAAGQAAAAAAAAAzMzMAAAAAABQAAAAUAAAAGQAAABkAAAAAAAAABcAAAAUAAAAAAAAAAAAAAD/fwAA/38AAAAAAAAJAAAABAAAAAAAAAAeAAAAaAAAAAAAAAAAAAAAAAAAAAAAAAAAAAAAECcAABAnAAAAAAAAAAAAAAAAAAAAAAAAAAAAAAAAAAAAAAAAAAAAABQAAAAAAAAAwMD/AAAAAABkAAAAMgAAAAAAAABkAAAAAAAAAH9/fwAKAAAAIgAAABgAAAAAAAAAAAAAAAAAAAAAAAAAAAAAAAAAAAAkAAAAJAAAAAAAAAAHAAAAAAAAAAAAAAAAAAAAAAAAAAAAAAAAAAAAf39/ACUAAABYAAAAAAAAAAAAAAAAAAAAAAAAAAAAAAAAAAAAAAAAAAAAAAAAAAAAAAAAAAAAAAA/AAAAAAAAAKCGAQAAAAAAAAAAAAAAAAAMAAAAAQAAAAAAAAAAAAAAAAAAAB8AAABUAAAAAAAABQAAAAEAAAAAAAAAAAAAAAAAAAAAAAAAAAAAAAAAAAAAAAAAAAAAAAJ/f38AAAAAA8zMzADAwP8Af39/AAAAAAAAAAAAAAAAAAAAAAAAAAAAIQAAABgAAAAUAAAAwAMAAN8JAACwJAAAihUAABAAAAAmAAAACAAAAD0gAAAAAAAA"/>
               </a:ext>
             </a:extLst>
           </p:cNvSpPr>
@@ -3814,7 +3817,7 @@
             <a:spLocks noGrp="1" noChangeArrowheads="1"/>
             <a:extLst>
               <a:ext uri="smNativeData">
-                <pr:smNativeData xmlns="smNativeData" xmlns:pr="smNativeData" xmlns:p15="http://schemas.microsoft.com/office/powerpoint/2012/main" xmlns:p14="http://schemas.microsoft.com/office/powerpoint/2010/main" xmlns:mc="http://schemas.openxmlformats.org/markup-compatibility/2006" val="SMDATA_15_q5OGZBMAAAAlAAAAZAAAAA0AAAAAAAAAAAAAAAAAAAAAAAAAAAAAAAAAAAAAAAAAAAEAAABQAAAAAAAAAAAA4D8AAAAAAADgPwAAAAAAAOA/AAAAAAAA4D8AAAAAAADgPwAAAAAAAOA/AAAAAAAA4D8AAAAAAADgPwAAAAAAAOA/AAAAAAAA4D8CAAAAjAAAAAAAAAAAAAAARHLEDP///wgAAAAAAAAAAAAAAAAAAAAAAAAAAAAAAAAAAAAAZAAAAAEAAABAAAAAAAAAAAAAAAAAAAAAAAAAAAAAAAAAAAAAAAAAAAAAAAAAAAAAAAAAAAAAAAAAAAAAAAAAAAAAAAAAAAAAAAAAAAAAAAAAAAAAAAAAAAAAAAAAAAAAFAAAADwAAAAAAAAAAAAAAAAAAAkUAAAAAQAAABQAAAAUAAAAFAAAAAEAAAAAAAAAZAAAAGQAAAAAAAAAZAAAAGQAAAAVAAAAYAAAAAAAAAAAAAAADwAAACADAAAAAAAAAAAAAAEAAACgMgAAVgcAAKr4//8BAAAAf39/AAEAAABkAAAAAAAAABQAAABAHwAAAAAAACYAAAAAAAAAwOD//wAAAAAmAAAAZAAAABYAAABMAAAAAAAAAAAAAAAEAAAAAAAAAAEAAADn5uYKAAAAACgAAAAoAAAAZAAAAGQAAAAAAAAAzMzMAAAAAABQAAAAUAAAAGQAAABkAAAAAAAAABcAAAAUAAAAAAAAAAAAAAD/fwAA/38AAAAAAAAJAAAABAAAAAAAAAAeAAAAaAAAAAAAAAAAAAAAAAAAAAAAAAAAAAAAECcAABAnAAAAAAAAAAAAAAAAAAAAAAAAAAAAAAAAAAAAAAAAAAAAABQAAAAAAAAAwMD/AAAAAABkAAAAMgAAAAAAAABkAAAAAAAAAH9/fwAKAAAAIgAAABgAAAAAAAAAAAAAAAAAAAAAAAAAAAAAAAAAAAAkAAAAJAAAAAAAAAAHAAAAAAAAAAAAAAAAAAAAAAAAAAAAAAAAAAAAf39/ACUAAABYAAAAAAAAAAAAAAAAAAAAAAAAAAAAAAAAAAAAAAAAAAAAAAAAAAAAAAAAAAAAAAA/AAAAAAAAAKCGAQAAAAAAAAAAAAAAAAAMAAAAAQAAAAAAAAAAAAAAAAAAAB8AAABUAAAAAAAABQAAAAEAAAAAAAAAAAAAAAAAAAAAAAAAAAAAAAAAAAAAAAAAAAAAAAJ/f38AAAAAA8zMzADAwP8Af39/AAAAAAAAAAAAAAAAAAAAAAAAAAAAIQAAABgAAAAUAAAAViYAAN8JAABGRwAAihUAABAAAAAmAAAACAAAAD0gAAAAAAAA"/>
+                <pr:smNativeData xmlns:mc="http://schemas.openxmlformats.org/markup-compatibility/2006" xmlns:p14="http://schemas.microsoft.com/office/powerpoint/2010/main" xmlns:p15="http://schemas.microsoft.com/office/powerpoint/2012/main" xmlns:pr="smNativeData" xmlns="smNativeData" val="SMDATA_15_q5OGZBMAAAAlAAAAZAAAAA0AAAAAAAAAAAAAAAAAAAAAAAAAAAAAAAAAAAAAAAAAAAEAAABQAAAAAAAAAAAA4D8AAAAAAADgPwAAAAAAAOA/AAAAAAAA4D8AAAAAAADgPwAAAAAAAOA/AAAAAAAA4D8AAAAAAADgPwAAAAAAAOA/AAAAAAAA4D8CAAAAjAAAAAAAAAAAAAAARHLEDP///wgAAAAAAAAAAAAAAAAAAAAAAAAAAAAAAAAAAAAAZAAAAAEAAABAAAAAAAAAAAAAAAAAAAAAAAAAAAAAAAAAAAAAAAAAAAAAAAAAAAAAAAAAAAAAAAAAAAAAAAAAAAAAAAAAAAAAAAAAAAAAAAAAAAAAAAAAAAAAAAAAAAAAFAAAADwAAAAAAAAAAAAAAAAAAAkUAAAAAQAAABQAAAAUAAAAFAAAAAEAAAAAAAAAZAAAAGQAAAAAAAAAZAAAAGQAAAAVAAAAYAAAAAAAAAAAAAAADwAAACADAAAAAAAAAAAAAAEAAACgMgAAVgcAAKr4//8BAAAAf39/AAEAAABkAAAAAAAAABQAAABAHwAAAAAAACYAAAAAAAAAwOD//wAAAAAmAAAAZAAAABYAAABMAAAAAAAAAAAAAAAEAAAAAAAAAAEAAADn5uYKAAAAACgAAAAoAAAAZAAAAGQAAAAAAAAAzMzMAAAAAABQAAAAUAAAAGQAAABkAAAAAAAAABcAAAAUAAAAAAAAAAAAAAD/fwAA/38AAAAAAAAJAAAABAAAAAAAAAAeAAAAaAAAAAAAAAAAAAAAAAAAAAAAAAAAAAAAECcAABAnAAAAAAAAAAAAAAAAAAAAAAAAAAAAAAAAAAAAAAAAAAAAABQAAAAAAAAAwMD/AAAAAABkAAAAMgAAAAAAAABkAAAAAAAAAH9/fwAKAAAAIgAAABgAAAAAAAAAAAAAAAAAAAAAAAAAAAAAAAAAAAAkAAAAJAAAAAAAAAAHAAAAAAAAAAAAAAAAAAAAAAAAAAAAAAAAAAAAf39/ACUAAABYAAAAAAAAAAAAAAAAAAAAAAAAAAAAAAAAAAAAAAAAAAAAAAAAAAAAAAAAAAAAAAA/AAAAAAAAAKCGAQAAAAAAAAAAAAAAAAAMAAAAAQAAAAAAAAAAAAAAAAAAAB8AAABUAAAAAAAABQAAAAEAAAAAAAAAAAAAAAAAAAAAAAAAAAAAAAAAAAAAAAAAAAAAAAJ/f38AAAAAA8zMzADAwP8Af39/AAAAAAAAAAAAAAAAAAAAAAAAAAAAIQAAABgAAAAUAAAAViYAAN8JAABGRwAAihUAABAAAAAmAAAACAAAAD0gAAAAAAAA"/>
               </a:ext>
             </a:extLst>
           </p:cNvSpPr>
@@ -3850,7 +3853,7 @@
             <a:spLocks noGrp="1" noChangeArrowheads="1"/>
             <a:extLst>
               <a:ext uri="smNativeData">
-                <pr:smNativeData xmlns="smNativeData" xmlns:pr="smNativeData" xmlns:p15="http://schemas.microsoft.com/office/powerpoint/2012/main" xmlns:p14="http://schemas.microsoft.com/office/powerpoint/2010/main" xmlns:mc="http://schemas.openxmlformats.org/markup-compatibility/2006" val="SMDATA_15_q5OGZBMAAAAlAAAAZAAAAA0AAAAAAAAAAAAAAAAAAAAAAAAAAAAAAAAAAAAAAAAAAAEAAABQAAAAAAAAAAAA4D8AAAAAAADgPwAAAAAAAOA/AAAAAAAA4D8AAAAAAADgPwAAAAAAAOA/AAAAAAAA4D8AAAAAAADgPwAAAAAAAOA/AAAAAAAA4D8CAAAAjAAAAAAAAAAAAAAARHLEDP///wgAAAAAAAAAAAAAAAAAAAAAAAAAAAAAAAAAAAAAZAAAAAEAAABAAAAAAAAAAAAAAAAAAAAAAAAAAAAAAAAAAAAAAAAAAAAAAAAAAAAAAAAAAAAAAAAAAAAAAAAAAAAAAAAAAAAAAAAAAAAAAAAAAAAAAAAAAAAAAAAAAAAAFAAAADwAAAAAAAAAAAAAAAAAAAkUAAAAAQAAABQAAAAUAAAAFAAAAAEAAAAAAAAAZAAAAGQAAAAAAAAAZAAAAGQAAAAVAAAAYAAAAAAAAAAAAAAADwAAACADAAAAAAAAAAAAAAEAAACgMgAAVgcAAKr4//8BAAAAf39/AAEAAABkAAAAAAAAABQAAABAHwAAAAAAACYAAAAAAAAAwOD//wAAAAAmAAAAZAAAABYAAABMAAAAAAAAAAAAAAAEAAAAAAAAAAEAAADn5uYKAAAAACgAAAAoAAAAZAAAAGQAAAAAAAAAzMzMAAAAAABQAAAAUAAAAGQAAABkAAAAAAAAABcAAAAUAAAAAAAAAAAAAAD/fwAA/38AAAAAAAAJAAAABAAAAAAAAAAeAAAAaAAAAAAAAAAAAAAAAAAAAAAAAAAAAAAAECcAABAnAAAAAAAAAAAAAAAAAAAAAAAAAAAAAAAAAAAAAAAAAAAAABQAAAAAAAAAwMD/AAAAAABkAAAAMgAAAAAAAABkAAAAAAAAAH9/fwAKAAAAIgAAABgAAAAAAAAAAAAAAAAAAAAAAAAAAAAAAAAAAAAkAAAAJAAAAAAAAAAHAAAAAAAAAAAAAAAAAAAAAAAAAAAAAAAAAAAAf39/ACUAAABYAAAAAAAAAAAAAAAAAAAAAAAAAAAAAAAAAAAAAAAAAAAAAAAAAAAAAAAAAAAAAAA/AAAAAAAAAKCGAQAAAAAAAAAAAAAAAAAMAAAAAQAAAAAAAAAAAAAAAAAAAB8AAABUAAAAAAAABQAAAAEAAAAAAAAAAAAAAAAAAAAAAAAAAAAAAAAAAAAAAAAAAAAAAAJ/f38AAAAAA8zMzADAwP8Af39/AAAAAAAAAAAAAAAAAAAAAAAAAAAAIQAAABgAAAAUAAAAwAMAAKcWAACwJAAAUiIAABAAAAAmAAAACAAAAD0gAAAAAAAA"/>
+                <pr:smNativeData xmlns:mc="http://schemas.openxmlformats.org/markup-compatibility/2006" xmlns:p14="http://schemas.microsoft.com/office/powerpoint/2010/main" xmlns:p15="http://schemas.microsoft.com/office/powerpoint/2012/main" xmlns:pr="smNativeData" xmlns="smNativeData" val="SMDATA_15_q5OGZBMAAAAlAAAAZAAAAA0AAAAAAAAAAAAAAAAAAAAAAAAAAAAAAAAAAAAAAAAAAAEAAABQAAAAAAAAAAAA4D8AAAAAAADgPwAAAAAAAOA/AAAAAAAA4D8AAAAAAADgPwAAAAAAAOA/AAAAAAAA4D8AAAAAAADgPwAAAAAAAOA/AAAAAAAA4D8CAAAAjAAAAAAAAAAAAAAARHLEDP///wgAAAAAAAAAAAAAAAAAAAAAAAAAAAAAAAAAAAAAZAAAAAEAAABAAAAAAAAAAAAAAAAAAAAAAAAAAAAAAAAAAAAAAAAAAAAAAAAAAAAAAAAAAAAAAAAAAAAAAAAAAAAAAAAAAAAAAAAAAAAAAAAAAAAAAAAAAAAAAAAAAAAAFAAAADwAAAAAAAAAAAAAAAAAAAkUAAAAAQAAABQAAAAUAAAAFAAAAAEAAAAAAAAAZAAAAGQAAAAAAAAAZAAAAGQAAAAVAAAAYAAAAAAAAAAAAAAADwAAACADAAAAAAAAAAAAAAEAAACgMgAAVgcAAKr4//8BAAAAf39/AAEAAABkAAAAAAAAABQAAABAHwAAAAAAACYAAAAAAAAAwOD//wAAAAAmAAAAZAAAABYAAABMAAAAAAAAAAAAAAAEAAAAAAAAAAEAAADn5uYKAAAAACgAAAAoAAAAZAAAAGQAAAAAAAAAzMzMAAAAAABQAAAAUAAAAGQAAABkAAAAAAAAABcAAAAUAAAAAAAAAAAAAAD/fwAA/38AAAAAAAAJAAAABAAAAAAAAAAeAAAAaAAAAAAAAAAAAAAAAAAAAAAAAAAAAAAAECcAABAnAAAAAAAAAAAAAAAAAAAAAAAAAAAAAAAAAAAAAAAAAAAAABQAAAAAAAAAwMD/AAAAAABkAAAAMgAAAAAAAABkAAAAAAAAAH9/fwAKAAAAIgAAABgAAAAAAAAAAAAAAAAAAAAAAAAAAAAAAAAAAAAkAAAAJAAAAAAAAAAHAAAAAAAAAAAAAAAAAAAAAAAAAAAAAAAAAAAAf39/ACUAAABYAAAAAAAAAAAAAAAAAAAAAAAAAAAAAAAAAAAAAAAAAAAAAAAAAAAAAAAAAAAAAAA/AAAAAAAAAKCGAQAAAAAAAAAAAAAAAAAMAAAAAQAAAAAAAAAAAAAAAAAAAB8AAABUAAAAAAAABQAAAAEAAAAAAAAAAAAAAAAAAAAAAAAAAAAAAAAAAAAAAAAAAAAAAAJ/f38AAAAAA8zMzADAwP8Af39/AAAAAAAAAAAAAAAAAAAAAAAAAAAAIQAAABgAAAAUAAAAwAMAAKcWAACwJAAAUiIAABAAAAAmAAAACAAAAD0gAAAAAAAA"/>
               </a:ext>
             </a:extLst>
           </p:cNvSpPr>
@@ -3886,7 +3889,7 @@
             <a:spLocks noGrp="1" noChangeArrowheads="1"/>
             <a:extLst>
               <a:ext uri="smNativeData">
-                <pr:smNativeData xmlns="smNativeData" xmlns:pr="smNativeData" xmlns:p15="http://schemas.microsoft.com/office/powerpoint/2012/main" xmlns:p14="http://schemas.microsoft.com/office/powerpoint/2010/main" xmlns:mc="http://schemas.openxmlformats.org/markup-compatibility/2006" val="SMDATA_15_q5OGZBMAAAAlAAAAZAAAAA0AAAAAAAAAAAAAAAAAAAAAAAAAAAAAAAAAAAAAAAAAAAEAAABQAAAAAAAAAAAA4D8AAAAAAADgPwAAAAAAAOA/AAAAAAAA4D8AAAAAAADgPwAAAAAAAOA/AAAAAAAA4D8AAAAAAADgPwAAAAAAAOA/AAAAAAAA4D8CAAAAjAAAAAAAAAAAAAAARHLEDP///wgAAAAAAAAAAAAAAAAAAAAAAAAAAAAAAAAAAAAAZAAAAAEAAABAAAAAAAAAAAAAAAAAAAAAAAAAAAAAAAAAAAAAAAAAAAAAAAAAAAAAAAAAAAAAAAAAAAAAAAAAAAAAAAAAAAAAAAAAAAAAAAAAAAAAAAAAAAAAAAAAAAAAFAAAADwAAAAAAAAAAAAAAAAAAAkUAAAAAQAAABQAAAAUAAAAFAAAAAEAAAAAAAAAZAAAAGQAAAAAAAAAZAAAAGQAAAAVAAAAYAAAAAAAAAAAAAAADwAAACADAAAAAAAAAAAAAAEAAACgMgAAVgcAAKr4//8BAAAAf39/AAEAAABkAAAAAAAAABQAAABAHwAAAAAAACYAAAAAAAAAwOD//wAAAAAmAAAAZAAAABYAAABMAAAAAAAAAAAAAAAEAAAAAAAAAAEAAADn5uYKAAAAACgAAAAoAAAAZAAAAGQAAAAAAAAAzMzMAAAAAABQAAAAUAAAAGQAAABkAAAAAAAAABcAAAAUAAAAAAAAAAAAAAD/fwAA/38AAAAAAAAJAAAABAAAAAAAAAAeAAAAaAAAAAAAAAAAAAAAAAAAAAAAAAAAAAAAECcAABAnAAAAAAAAAAAAAAAAAAAAAAAAAAAAAAAAAAAAAAAAAAAAABQAAAAAAAAAwMD/AAAAAABkAAAAMgAAAAAAAABkAAAAAAAAAH9/fwAKAAAAIgAAABgAAAAAAAAAAAAAAAAAAAAAAAAAAAAAAAAAAAAkAAAAJAAAAAAAAAAHAAAAAAAAAAAAAAAAAAAAAAAAAAAAAAAAAAAAf39/ACUAAABYAAAAAAAAAAAAAAAAAAAAAAAAAAAAAAAAAAAAAAAAAAAAAAAAAAAAAAAAAAAAAAA/AAAAAAAAAKCGAQAAAAAAAAAAAAAAAAAMAAAAAQAAAAAAAAAAAAAAAAAAAB8AAABUAAAAAAAABQAAAAEAAAAAAAAAAAAAAAAAAAAAAAAAAAAAAAAAAAAAAAAAAAAAAAJ/f38AAAAAA8zMzADAwP8Af39/AAAAAAAAAAAAAAAAAAAAAAAAAAAAIQAAABgAAAAUAAAAViYAAKcWAABGRwAAUiIAABAAAAAmAAAACAAAAD0gAAAAAAAA"/>
+                <pr:smNativeData xmlns:mc="http://schemas.openxmlformats.org/markup-compatibility/2006" xmlns:p14="http://schemas.microsoft.com/office/powerpoint/2010/main" xmlns:p15="http://schemas.microsoft.com/office/powerpoint/2012/main" xmlns:pr="smNativeData" xmlns="smNativeData" val="SMDATA_15_q5OGZBMAAAAlAAAAZAAAAA0AAAAAAAAAAAAAAAAAAAAAAAAAAAAAAAAAAAAAAAAAAAEAAABQAAAAAAAAAAAA4D8AAAAAAADgPwAAAAAAAOA/AAAAAAAA4D8AAAAAAADgPwAAAAAAAOA/AAAAAAAA4D8AAAAAAADgPwAAAAAAAOA/AAAAAAAA4D8CAAAAjAAAAAAAAAAAAAAARHLEDP///wgAAAAAAAAAAAAAAAAAAAAAAAAAAAAAAAAAAAAAZAAAAAEAAABAAAAAAAAAAAAAAAAAAAAAAAAAAAAAAAAAAAAAAAAAAAAAAAAAAAAAAAAAAAAAAAAAAAAAAAAAAAAAAAAAAAAAAAAAAAAAAAAAAAAAAAAAAAAAAAAAAAAAFAAAADwAAAAAAAAAAAAAAAAAAAkUAAAAAQAAABQAAAAUAAAAFAAAAAEAAAAAAAAAZAAAAGQAAAAAAAAAZAAAAGQAAAAVAAAAYAAAAAAAAAAAAAAADwAAACADAAAAAAAAAAAAAAEAAACgMgAAVgcAAKr4//8BAAAAf39/AAEAAABkAAAAAAAAABQAAABAHwAAAAAAACYAAAAAAAAAwOD//wAAAAAmAAAAZAAAABYAAABMAAAAAAAAAAAAAAAEAAAAAAAAAAEAAADn5uYKAAAAACgAAAAoAAAAZAAAAGQAAAAAAAAAzMzMAAAAAABQAAAAUAAAAGQAAABkAAAAAAAAABcAAAAUAAAAAAAAAAAAAAD/fwAA/38AAAAAAAAJAAAABAAAAAAAAAAeAAAAaAAAAAAAAAAAAAAAAAAAAAAAAAAAAAAAECcAABAnAAAAAAAAAAAAAAAAAAAAAAAAAAAAAAAAAAAAAAAAAAAAABQAAAAAAAAAwMD/AAAAAABkAAAAMgAAAAAAAABkAAAAAAAAAH9/fwAKAAAAIgAAABgAAAAAAAAAAAAAAAAAAAAAAAAAAAAAAAAAAAAkAAAAJAAAAAAAAAAHAAAAAAAAAAAAAAAAAAAAAAAAAAAAAAAAAAAAf39/ACUAAABYAAAAAAAAAAAAAAAAAAAAAAAAAAAAAAAAAAAAAAAAAAAAAAAAAAAAAAAAAAAAAAA/AAAAAAAAAKCGAQAAAAAAAAAAAAAAAAAMAAAAAQAAAAAAAAAAAAAAAAAAAB8AAABUAAAAAAAABQAAAAEAAAAAAAAAAAAAAAAAAAAAAAAAAAAAAAAAAAAAAAAAAAAAAAJ/f38AAAAAA8zMzADAwP8Af39/AAAAAAAAAAAAAAAAAAAAAAAAAAAAIQAAABgAAAAUAAAAViYAAKcWAABGRwAAUiIAABAAAAAmAAAACAAAAD0gAAAAAAAA"/>
               </a:ext>
             </a:extLst>
           </p:cNvSpPr>
@@ -3947,7 +3950,7 @@
             <a:spLocks noGrp="1" noChangeArrowheads="1"/>
             <a:extLst>
               <a:ext uri="smNativeData">
-                <pr:smNativeData xmlns="smNativeData" xmlns:pr="smNativeData" xmlns:p15="http://schemas.microsoft.com/office/powerpoint/2012/main" xmlns:p14="http://schemas.microsoft.com/office/powerpoint/2010/main" xmlns:mc="http://schemas.openxmlformats.org/markup-compatibility/2006" val="SMDATA_15_q5OGZBMAAAAlAAAAZAAAAA0AAAAAAAAAAAAAAAAAAAAAAAAAAAAAAAABAAAAAAAAAAEAAABQAAAAAAAAAAAA4D8AAAAAAADgPwAAAAAAAOA/AAAAAAAA4D8AAAAAAADgPwAAAAAAAOA/AAAAAAAA4D8AAAAAAADgPwAAAAAAAOA/AAAAAAAA4D8CAAAAjAAAAAAAAAAAAAAARHLEDP///wgAAAAAAAAAAAAAAAAAAAAAAAAAAAAAAAAAAAAAZAAAAAEAAABAAAAAAAAAAAAAAAAAAAAAAAAAAAAAAAAAAAAAAAAAAAAAAAAAAAAAAAAAAAAAAAAAAAAAAAAAAAAAAAAAAAAAAAAAAAAAAAAAAAAAAAAAAAAAAAAAAAAAFAAAADwAAAAAAAAAAAAAAAAAAAkUAAAAAQAAABQAAAAUAAAAFAAAAAEAAAAAAAAAZAAAAGQAAAAAAAAAZAAAAGQAAAAVAAAAYAAAAAAAAAAAAAAADwAAACADAAAAAAAAAAAAAAEAAACgMgAAVgcAAKr4//8BAAAAf39/AAEAAABkAAAAAAAAABQAAABAHwAAAAAAACYAAAAAAAAAwOD//wAAAAAmAAAAZAAAABYAAABMAAAAAAAAAAAAAAAEAAAAAAAAAAEAAADn5uYKAAAAACgAAAAoAAAAZAAAAGQAAAAAAAAAzMzMAAAAAABQAAAAUAAAAGQAAABkAAAAAAAAABcAAAAUAAAAAAAAAAAAAAD/fwAA/38AAAAAAAAJAAAABAAAAAAAAAAeAAAAaAAAAAAAAAAAAAAAAAAAAAAAAAAAAAAAECcAABAnAAAAAAAAAAAAAAAAAAAAAAAAAAAAAAAAAAAAAAAAAAAAABQAAAAAAAAAwMD/AAAAAABkAAAAMgAAAAAAAABkAAAAAAAAAH9/fwAKAAAAIgAAABgAAAAAAAAAAAAAAAAAAAAAAAAAAAAAAAAAAAAkAAAAJAAAAAAAAAAHAAAAAAAAAAAAAAAAAAAAAAAAAAAAAAAAAAAAf39/ACUAAABYAAAAAAAAAAAAAAAAAAAAAAAAAAAAAAAAAAAAAAAAAAAAAAAAAAAAAAAAAAAAAAA/AAAAAAAAAKCGAQAAAAAAAAAAAAAAAAAMAAAAAQAAAAAAAAAAAAAAAAAAAB8AAABUAAAAAAAABQAAAAEAAAAAAAAAAAAAAAAAAAAAAAAAAAAAAAAAAAAAAAAAAAAAAAJ/f38AAAAAA8zMzADAwP8Af39/AAAAAAAAAAAAAAAAAAAAAAAAAAAAIQAAABgAAAAUAAAAwAMAAK8BAAA/RwAAuggAABAAAAAmAAAACAAAADwgAAAAAAAA"/>
+                <pr:smNativeData xmlns:mc="http://schemas.openxmlformats.org/markup-compatibility/2006" xmlns:p14="http://schemas.microsoft.com/office/powerpoint/2010/main" xmlns:p15="http://schemas.microsoft.com/office/powerpoint/2012/main" xmlns:pr="smNativeData" xmlns="smNativeData" val="SMDATA_15_q5OGZBMAAAAlAAAAZAAAAA0AAAAAAAAAAAAAAAAAAAAAAAAAAAAAAAABAAAAAAAAAAEAAABQAAAAAAAAAAAA4D8AAAAAAADgPwAAAAAAAOA/AAAAAAAA4D8AAAAAAADgPwAAAAAAAOA/AAAAAAAA4D8AAAAAAADgPwAAAAAAAOA/AAAAAAAA4D8CAAAAjAAAAAAAAAAAAAAARHLEDP///wgAAAAAAAAAAAAAAAAAAAAAAAAAAAAAAAAAAAAAZAAAAAEAAABAAAAAAAAAAAAAAAAAAAAAAAAAAAAAAAAAAAAAAAAAAAAAAAAAAAAAAAAAAAAAAAAAAAAAAAAAAAAAAAAAAAAAAAAAAAAAAAAAAAAAAAAAAAAAAAAAAAAAFAAAADwAAAAAAAAAAAAAAAAAAAkUAAAAAQAAABQAAAAUAAAAFAAAAAEAAAAAAAAAZAAAAGQAAAAAAAAAZAAAAGQAAAAVAAAAYAAAAAAAAAAAAAAADwAAACADAAAAAAAAAAAAAAEAAACgMgAAVgcAAKr4//8BAAAAf39/AAEAAABkAAAAAAAAABQAAABAHwAAAAAAACYAAAAAAAAAwOD//wAAAAAmAAAAZAAAABYAAABMAAAAAAAAAAAAAAAEAAAAAAAAAAEAAADn5uYKAAAAACgAAAAoAAAAZAAAAGQAAAAAAAAAzMzMAAAAAABQAAAAUAAAAGQAAABkAAAAAAAAABcAAAAUAAAAAAAAAAAAAAD/fwAA/38AAAAAAAAJAAAABAAAAAAAAAAeAAAAaAAAAAAAAAAAAAAAAAAAAAAAAAAAAAAAECcAABAnAAAAAAAAAAAAAAAAAAAAAAAAAAAAAAAAAAAAAAAAAAAAABQAAAAAAAAAwMD/AAAAAABkAAAAMgAAAAAAAABkAAAAAAAAAH9/fwAKAAAAIgAAABgAAAAAAAAAAAAAAAAAAAAAAAAAAAAAAAAAAAAkAAAAJAAAAAAAAAAHAAAAAAAAAAAAAAAAAAAAAAAAAAAAAAAAAAAAf39/ACUAAABYAAAAAAAAAAAAAAAAAAAAAAAAAAAAAAAAAAAAAAAAAAAAAAAAAAAAAAAAAAAAAAA/AAAAAAAAAKCGAQAAAAAAAAAAAAAAAAAMAAAAAQAAAAAAAAAAAAAAAAAAAB8AAABUAAAAAAAABQAAAAEAAAAAAAAAAAAAAAAAAAAAAAAAAAAAAAAAAAAAAAAAAAAAAAJ/f38AAAAAA8zMzADAwP8Af39/AAAAAAAAAAAAAAAAAAAAAAAAAAAAIQAAABgAAAAUAAAAwAMAAK8BAAA/RwAAuggAABAAAAAmAAAACAAAADwgAAAAAAAA"/>
               </a:ext>
             </a:extLst>
           </p:cNvSpPr>
@@ -3978,7 +3981,7 @@
             <a:spLocks noGrp="1" noChangeArrowheads="1"/>
             <a:extLst>
               <a:ext uri="smNativeData">
-                <pr:smNativeData xmlns="smNativeData" xmlns:pr="smNativeData" xmlns:p15="http://schemas.microsoft.com/office/powerpoint/2012/main" xmlns:p14="http://schemas.microsoft.com/office/powerpoint/2010/main" xmlns:mc="http://schemas.openxmlformats.org/markup-compatibility/2006" val="SMDATA_15_q5OGZBMAAAAlAAAAZAAAAA0AAAAAAAAAAAAAAAAAAAAAAAAAAAAAAAAAAAAAAAAAAAEAAABQAAAAAAAAAAAA4D8AAAAAAADgPwAAAAAAAOA/AAAAAAAA4D8AAAAAAADgPwAAAAAAAOA/AAAAAAAA4D8AAAAAAADgPwAAAAAAAOA/AAAAAAAA4D8CAAAAjAAAAAAAAAAAAAAARHLEDP///wgAAAAAAAAAAAAAAAAAAAAAAAAAAAAAAAAAAAAAZAAAAAEAAABAAAAAAAAAAAAAAAAAAAAAAAAAAAAAAAAAAAAAAAAAAAAAAAAAAAAAAAAAAAAAAAAAAAAAAAAAAAAAAAAAAAAAAAAAAAAAAAAAAAAAAAAAAAAAAAAAAAAAFAAAADwAAAAAAAAAAAAAAAAAAAkUAAAAAQAAABQAAAAUAAAAFAAAAAEAAAAAAAAAZAAAAGQAAAAAAAAAZAAAAGQAAAAVAAAAYAAAAAAAAAAAAAAADwAAACADAAAAAAAAAAAAAAEAAACgMgAAVgcAAKr4//8BAAAAf39/AAEAAABkAAAAAAAAABQAAABAHwAAAAAAACYAAAAAAAAAwOD//wAAAAAmAAAAZAAAABYAAABMAAAAAAAAAAAAAAAEAAAAAAAAAAEAAADn5uYKAAAAACgAAAAoAAAAZAAAAGQAAAAAAAAAzMzMAAAAAABQAAAAUAAAAGQAAABkAAAAAAAAABcAAAAUAAAAAAAAAAAAAAD/fwAA/38AAAAAAAAJAAAABAAAAAAAAAAeAAAAaAAAAAAAAAAAAAAAAAAAAAAAAAAAAAAAECcAABAnAAAAAAAAAAAAAAAAAAAAAAAAAAAAAAAAAAAAAAAAAAAAABQAAAAAAAAAwMD/AAAAAABkAAAAMgAAAAAAAABkAAAAAAAAAH9/fwAKAAAAIgAAABgAAAAAAAAAAAAAAAAAAAAAAAAAAAAAAAAAAAAkAAAAJAAAAAAAAAAHAAAAAAAAAAAAAAAAAAAAAAAAAAAAAAAAAAAAf39/ACUAAABYAAAAAAAAAAAAAAAAAAAAAAAAAAAAAAAAAAAAAAAAAAAAAAAAAAAAAAAAAAAAAAA/AAAAAAAAAKCGAQAAAAAAAAAAAAAAAAAMAAAAAQAAAAAAAAAAAAAAAAAAAB8AAABUAAAAAAAABQAAAAEAAAAAAAAAAAAAAAAAAAAAAAAAAAAAAAAAAAAAAAAAAAAAAAJ/f38AAAAAA8zMzADAwP8Af39/AAAAAAAAAAAAAAAAAAAAAAAAAAAAIQAAABgAAAAUAAAAwAMAAN8JAAB8GQAAihUAABAAAAAmAAAACAAAAD0gAAAAAAAA"/>
+                <pr:smNativeData xmlns:mc="http://schemas.openxmlformats.org/markup-compatibility/2006" xmlns:p14="http://schemas.microsoft.com/office/powerpoint/2010/main" xmlns:p15="http://schemas.microsoft.com/office/powerpoint/2012/main" xmlns:pr="smNativeData" xmlns="smNativeData" val="SMDATA_15_q5OGZBMAAAAlAAAAZAAAAA0AAAAAAAAAAAAAAAAAAAAAAAAAAAAAAAAAAAAAAAAAAAEAAABQAAAAAAAAAAAA4D8AAAAAAADgPwAAAAAAAOA/AAAAAAAA4D8AAAAAAADgPwAAAAAAAOA/AAAAAAAA4D8AAAAAAADgPwAAAAAAAOA/AAAAAAAA4D8CAAAAjAAAAAAAAAAAAAAARHLEDP///wgAAAAAAAAAAAAAAAAAAAAAAAAAAAAAAAAAAAAAZAAAAAEAAABAAAAAAAAAAAAAAAAAAAAAAAAAAAAAAAAAAAAAAAAAAAAAAAAAAAAAAAAAAAAAAAAAAAAAAAAAAAAAAAAAAAAAAAAAAAAAAAAAAAAAAAAAAAAAAAAAAAAAFAAAADwAAAAAAAAAAAAAAAAAAAkUAAAAAQAAABQAAAAUAAAAFAAAAAEAAAAAAAAAZAAAAGQAAAAAAAAAZAAAAGQAAAAVAAAAYAAAAAAAAAAAAAAADwAAACADAAAAAAAAAAAAAAEAAACgMgAAVgcAAKr4//8BAAAAf39/AAEAAABkAAAAAAAAABQAAABAHwAAAAAAACYAAAAAAAAAwOD//wAAAAAmAAAAZAAAABYAAABMAAAAAAAAAAAAAAAEAAAAAAAAAAEAAADn5uYKAAAAACgAAAAoAAAAZAAAAGQAAAAAAAAAzMzMAAAAAABQAAAAUAAAAGQAAABkAAAAAAAAABcAAAAUAAAAAAAAAAAAAAD/fwAA/38AAAAAAAAJAAAABAAAAAAAAAAeAAAAaAAAAAAAAAAAAAAAAAAAAAAAAAAAAAAAECcAABAnAAAAAAAAAAAAAAAAAAAAAAAAAAAAAAAAAAAAAAAAAAAAABQAAAAAAAAAwMD/AAAAAABkAAAAMgAAAAAAAABkAAAAAAAAAH9/fwAKAAAAIgAAABgAAAAAAAAAAAAAAAAAAAAAAAAAAAAAAAAAAAAkAAAAJAAAAAAAAAAHAAAAAAAAAAAAAAAAAAAAAAAAAAAAAAAAAAAAf39/ACUAAABYAAAAAAAAAAAAAAAAAAAAAAAAAAAAAAAAAAAAAAAAAAAAAAAAAAAAAAAAAAAAAAA/AAAAAAAAAKCGAQAAAAAAAAAAAAAAAAAMAAAAAQAAAAAAAAAAAAAAAAAAAB8AAABUAAAAAAAABQAAAAEAAAAAAAAAAAAAAAAAAAAAAAAAAAAAAAAAAAAAAAAAAAAAAAJ/f38AAAAAA8zMzADAwP8Af39/AAAAAAAAAAAAAAAAAAAAAAAAAAAAIQAAABgAAAAUAAAAwAMAAN8JAAB8GQAAihUAABAAAAAmAAAACAAAAD0gAAAAAAAA"/>
               </a:ext>
             </a:extLst>
           </p:cNvSpPr>
@@ -4014,7 +4017,7 @@
             <a:spLocks noGrp="1" noChangeArrowheads="1"/>
             <a:extLst>
               <a:ext uri="smNativeData">
-                <pr:smNativeData xmlns="smNativeData" xmlns:pr="smNativeData" xmlns:p15="http://schemas.microsoft.com/office/powerpoint/2012/main" xmlns:p14="http://schemas.microsoft.com/office/powerpoint/2010/main" xmlns:mc="http://schemas.openxmlformats.org/markup-compatibility/2006" val="SMDATA_15_q5OGZBMAAAAlAAAAZAAAAA0AAAAAAAAAAAAAAAAAAAAAAAAAAAAAAAAAAAAAAAAAAAEAAABQAAAAAAAAAAAA4D8AAAAAAADgPwAAAAAAAOA/AAAAAAAA4D8AAAAAAADgPwAAAAAAAOA/AAAAAAAA4D8AAAAAAADgPwAAAAAAAOA/AAAAAAAA4D8CAAAAjAAAAAAAAAAAAAAARHLEDP///wgAAAAAAAAAAAAAAAAAAAAAAAAAAAAAAAAAAAAAZAAAAAEAAABAAAAAAAAAAAAAAAAAAAAAAAAAAAAAAAAAAAAAAAAAAAAAAAAAAAAAAAAAAAAAAAAAAAAAAAAAAAAAAAAAAAAAAAAAAAAAAAAAAAAAAAAAAAAAAAAAAAAAFAAAADwAAAAAAAAAAAAAAAAAAAkUAAAAAQAAABQAAAAUAAAAFAAAAAEAAAAAAAAAZAAAAGQAAAAAAAAAZAAAAGQAAAAVAAAAYAAAAAAAAAAAAAAADwAAACADAAAAAAAAAAAAAAEAAACgMgAAVgcAAKr4//8BAAAAf39/AAEAAABkAAAAAAAAABQAAABAHwAAAAAAACYAAAAAAAAAwOD//wAAAAAmAAAAZAAAABYAAABMAAAAAAAAAAAAAAAEAAAAAAAAAAEAAADn5uYKAAAAACgAAAAoAAAAZAAAAGQAAAAAAAAAzMzMAAAAAABQAAAAUAAAAGQAAABkAAAAAAAAABcAAAAUAAAAAAAAAAAAAAD/fwAA/38AAAAAAAAJAAAABAAAAAAAAAAeAAAAaAAAAAAAAAAAAAAAAAAAAAAAAAAAAAAAECcAABAnAAAAAAAAAAAAAAAAAAAAAAAAAAAAAAAAAAAAAAAAAAAAABQAAAAAAAAAwMD/AAAAAABkAAAAMgAAAAAAAABkAAAAAAAAAH9/fwAKAAAAIgAAABgAAAAAAAAAAAAAAAAAAAAAAAAAAAAAAAAAAAAkAAAAJAAAAAAAAAAHAAAAAAAAAAAAAAAAAAAAAAAAAAAAAAAAAAAAf39/ACUAAABYAAAAAAAAAAAAAAAAAAAAAAAAAAAAAAAAAAAAAAAAAAAAAAAAAAAAAAAAAAAAAAA/AAAAAAAAAKCGAQAAAAAAAAAAAAAAAAAMAAAAAQAAAAAAAAAAAAAAAAAAAB8AAABUAAAAAAAABQAAAAEAAAAAAAAAAAAAAAAAAAAAAAAAAAAAAAAAAAAAAAAAAAAAAAJ/f38AAAAAA8zMzADAwP8Af39/AAAAAAAAAAAAAAAAAAAAAAAAAAAAIQAAABgAAAAUAAAAkxoAAN8JAABOMAAAihUAABAAAAAmAAAACAAAAD0gAAAAAAAA"/>
+                <pr:smNativeData xmlns:mc="http://schemas.openxmlformats.org/markup-compatibility/2006" xmlns:p14="http://schemas.microsoft.com/office/powerpoint/2010/main" xmlns:p15="http://schemas.microsoft.com/office/powerpoint/2012/main" xmlns:pr="smNativeData" xmlns="smNativeData" val="SMDATA_15_q5OGZBMAAAAlAAAAZAAAAA0AAAAAAAAAAAAAAAAAAAAAAAAAAAAAAAAAAAAAAAAAAAEAAABQAAAAAAAAAAAA4D8AAAAAAADgPwAAAAAAAOA/AAAAAAAA4D8AAAAAAADgPwAAAAAAAOA/AAAAAAAA4D8AAAAAAADgPwAAAAAAAOA/AAAAAAAA4D8CAAAAjAAAAAAAAAAAAAAARHLEDP///wgAAAAAAAAAAAAAAAAAAAAAAAAAAAAAAAAAAAAAZAAAAAEAAABAAAAAAAAAAAAAAAAAAAAAAAAAAAAAAAAAAAAAAAAAAAAAAAAAAAAAAAAAAAAAAAAAAAAAAAAAAAAAAAAAAAAAAAAAAAAAAAAAAAAAAAAAAAAAAAAAAAAAFAAAADwAAAAAAAAAAAAAAAAAAAkUAAAAAQAAABQAAAAUAAAAFAAAAAEAAAAAAAAAZAAAAGQAAAAAAAAAZAAAAGQAAAAVAAAAYAAAAAAAAAAAAAAADwAAACADAAAAAAAAAAAAAAEAAACgMgAAVgcAAKr4//8BAAAAf39/AAEAAABkAAAAAAAAABQAAABAHwAAAAAAACYAAAAAAAAAwOD//wAAAAAmAAAAZAAAABYAAABMAAAAAAAAAAAAAAAEAAAAAAAAAAEAAADn5uYKAAAAACgAAAAoAAAAZAAAAGQAAAAAAAAAzMzMAAAAAABQAAAAUAAAAGQAAABkAAAAAAAAABcAAAAUAAAAAAAAAAAAAAD/fwAA/38AAAAAAAAJAAAABAAAAAAAAAAeAAAAaAAAAAAAAAAAAAAAAAAAAAAAAAAAAAAAECcAABAnAAAAAAAAAAAAAAAAAAAAAAAAAAAAAAAAAAAAAAAAAAAAABQAAAAAAAAAwMD/AAAAAABkAAAAMgAAAAAAAABkAAAAAAAAAH9/fwAKAAAAIgAAABgAAAAAAAAAAAAAAAAAAAAAAAAAAAAAAAAAAAAkAAAAJAAAAAAAAAAHAAAAAAAAAAAAAAAAAAAAAAAAAAAAAAAAAAAAf39/ACUAAABYAAAAAAAAAAAAAAAAAAAAAAAAAAAAAAAAAAAAAAAAAAAAAAAAAAAAAAAAAAAAAAA/AAAAAAAAAKCGAQAAAAAAAAAAAAAAAAAMAAAAAQAAAAAAAAAAAAAAAAAAAB8AAABUAAAAAAAABQAAAAEAAAAAAAAAAAAAAAAAAAAAAAAAAAAAAAAAAAAAAAAAAAAAAAJ/f38AAAAAA8zMzADAwP8Af39/AAAAAAAAAAAAAAAAAAAAAAAAAAAAIQAAABgAAAAUAAAAkxoAAN8JAABOMAAAihUAABAAAAAmAAAACAAAAD0gAAAAAAAA"/>
               </a:ext>
             </a:extLst>
           </p:cNvSpPr>
@@ -4050,7 +4053,7 @@
             <a:spLocks noGrp="1" noChangeArrowheads="1"/>
             <a:extLst>
               <a:ext uri="smNativeData">
-                <pr:smNativeData xmlns="smNativeData" xmlns:pr="smNativeData" xmlns:p15="http://schemas.microsoft.com/office/powerpoint/2012/main" xmlns:p14="http://schemas.microsoft.com/office/powerpoint/2010/main" xmlns:mc="http://schemas.openxmlformats.org/markup-compatibility/2006" val="SMDATA_15_q5OGZBMAAAAlAAAAZAAAAA0AAAAAAAAAAAAAAAAAAAAAAAAAAAAAAAAAAAAAAAAAAAEAAABQAAAAAAAAAAAA4D8AAAAAAADgPwAAAAAAAOA/AAAAAAAA4D8AAAAAAADgPwAAAAAAAOA/AAAAAAAA4D8AAAAAAADgPwAAAAAAAOA/AAAAAAAA4D8CAAAAjAAAAAAAAAAAAAAARHLEDP///wgAAAAAAAAAAAAAAAAAAAAAAAAAAAAAAAAAAAAAZAAAAAEAAABAAAAAAAAAAAAAAAAAAAAAAAAAAAAAAAAAAAAAAAAAAAAAAAAAAAAAAAAAAAAAAAAAAAAAAAAAAAAAAAAAAAAAAAAAAAAAAAAAAAAAAAAAAAAAAAAAAAAAFAAAADwAAAAAAAAAAAAAAAAAAAkUAAAAAQAAABQAAAAUAAAAFAAAAAEAAAAAAAAAZAAAAGQAAAAAAAAAZAAAAGQAAAAVAAAAYAAAAAAAAAAAAAAADwAAACADAAAAAAAAAAAAAAEAAACgMgAAVgcAAKr4//8BAAAAf39/AAEAAABkAAAAAAAAABQAAABAHwAAAAAAACYAAAAAAAAAwOD//wAAAAAmAAAAZAAAABYAAABMAAAAAAAAAAAAAAAEAAAAAAAAAAEAAADn5uYKAAAAACgAAAAoAAAAZAAAAGQAAAAAAAAAzMzMAAAAAABQAAAAUAAAAGQAAABkAAAAAAAAABcAAAAUAAAAAAAAAAAAAAD/fwAA/38AAAAAAAAJAAAABAAAAAAAAAAeAAAAaAAAAAAAAAAAAAAAAAAAAAAAAAAAAAAAECcAABAnAAAAAAAAAAAAAAAAAAAAAAAAAAAAAAAAAAAAAAAAAAAAABQAAAAAAAAAwMD/AAAAAABkAAAAMgAAAAAAAABkAAAAAAAAAH9/fwAKAAAAIgAAABgAAAAAAAAAAAAAAAAAAAAAAAAAAAAAAAAAAAAkAAAAJAAAAAAAAAAHAAAAAAAAAAAAAAAAAAAAAAAAAAAAAAAAAAAAf39/ACUAAABYAAAAAAAAAAAAAAAAAAAAAAAAAAAAAAAAAAAAAAAAAAAAAAAAAAAAAAAAAAAAAAA/AAAAAAAAAKCGAQAAAAAAAAAAAAAAAAAMAAAAAQAAAAAAAAAAAAAAAAAAAB8AAABUAAAAAAAABQAAAAEAAAAAAAAAAAAAAAAAAAAAAAAAAAAAAAAAAAAAAAAAAAAAAAJ/f38AAAAAA8zMzADAwP8Af39/AAAAAAAAAAAAAAAAAAAAAAAAAAAAIQAAABgAAAAUAAAAZTEAAN8JAAAhRwAAihUAABAAAAAmAAAACAAAAD0gAAAAAAAA"/>
+                <pr:smNativeData xmlns:mc="http://schemas.openxmlformats.org/markup-compatibility/2006" xmlns:p14="http://schemas.microsoft.com/office/powerpoint/2010/main" xmlns:p15="http://schemas.microsoft.com/office/powerpoint/2012/main" xmlns:pr="smNativeData" xmlns="smNativeData" val="SMDATA_15_q5OGZBMAAAAlAAAAZAAAAA0AAAAAAAAAAAAAAAAAAAAAAAAAAAAAAAAAAAAAAAAAAAEAAABQAAAAAAAAAAAA4D8AAAAAAADgPwAAAAAAAOA/AAAAAAAA4D8AAAAAAADgPwAAAAAAAOA/AAAAAAAA4D8AAAAAAADgPwAAAAAAAOA/AAAAAAAA4D8CAAAAjAAAAAAAAAAAAAAARHLEDP///wgAAAAAAAAAAAAAAAAAAAAAAAAAAAAAAAAAAAAAZAAAAAEAAABAAAAAAAAAAAAAAAAAAAAAAAAAAAAAAAAAAAAAAAAAAAAAAAAAAAAAAAAAAAAAAAAAAAAAAAAAAAAAAAAAAAAAAAAAAAAAAAAAAAAAAAAAAAAAAAAAAAAAFAAAADwAAAAAAAAAAAAAAAAAAAkUAAAAAQAAABQAAAAUAAAAFAAAAAEAAAAAAAAAZAAAAGQAAAAAAAAAZAAAAGQAAAAVAAAAYAAAAAAAAAAAAAAADwAAACADAAAAAAAAAAAAAAEAAACgMgAAVgcAAKr4//8BAAAAf39/AAEAAABkAAAAAAAAABQAAABAHwAAAAAAACYAAAAAAAAAwOD//wAAAAAmAAAAZAAAABYAAABMAAAAAAAAAAAAAAAEAAAAAAAAAAEAAADn5uYKAAAAACgAAAAoAAAAZAAAAGQAAAAAAAAAzMzMAAAAAABQAAAAUAAAAGQAAABkAAAAAAAAABcAAAAUAAAAAAAAAAAAAAD/fwAA/38AAAAAAAAJAAAABAAAAAAAAAAeAAAAaAAAAAAAAAAAAAAAAAAAAAAAAAAAAAAAECcAABAnAAAAAAAAAAAAAAAAAAAAAAAAAAAAAAAAAAAAAAAAAAAAABQAAAAAAAAAwMD/AAAAAABkAAAAMgAAAAAAAABkAAAAAAAAAH9/fwAKAAAAIgAAABgAAAAAAAAAAAAAAAAAAAAAAAAAAAAAAAAAAAAkAAAAJAAAAAAAAAAHAAAAAAAAAAAAAAAAAAAAAAAAAAAAAAAAAAAAf39/ACUAAABYAAAAAAAAAAAAAAAAAAAAAAAAAAAAAAAAAAAAAAAAAAAAAAAAAAAAAAAAAAAAAAA/AAAAAAAAAKCGAQAAAAAAAAAAAAAAAAAMAAAAAQAAAAAAAAAAAAAAAAAAAB8AAABUAAAAAAAABQAAAAEAAAAAAAAAAAAAAAAAAAAAAAAAAAAAAAAAAAAAAAAAAAAAAAJ/f38AAAAAA8zMzADAwP8Af39/AAAAAAAAAAAAAAAAAAAAAAAAAAAAIQAAABgAAAAUAAAAZTEAAN8JAAAhRwAAihUAABAAAAAmAAAACAAAAD0gAAAAAAAA"/>
               </a:ext>
             </a:extLst>
           </p:cNvSpPr>
@@ -4086,7 +4089,7 @@
             <a:spLocks noGrp="1" noChangeArrowheads="1"/>
             <a:extLst>
               <a:ext uri="smNativeData">
-                <pr:smNativeData xmlns="smNativeData" xmlns:pr="smNativeData" xmlns:p15="http://schemas.microsoft.com/office/powerpoint/2012/main" xmlns:p14="http://schemas.microsoft.com/office/powerpoint/2010/main" xmlns:mc="http://schemas.openxmlformats.org/markup-compatibility/2006" val="SMDATA_15_q5OGZBMAAAAlAAAAZAAAAA0AAAAAAAAAAAAAAAAAAAAAAAAAAAAAAAAAAAAAAAAAAAEAAABQAAAAAAAAAAAA4D8AAAAAAADgPwAAAAAAAOA/AAAAAAAA4D8AAAAAAADgPwAAAAAAAOA/AAAAAAAA4D8AAAAAAADgPwAAAAAAAOA/AAAAAAAA4D8CAAAAjAAAAAAAAAAAAAAARHLEDP///wgAAAAAAAAAAAAAAAAAAAAAAAAAAAAAAAAAAAAAZAAAAAEAAABAAAAAAAAAAAAAAAAAAAAAAAAAAAAAAAAAAAAAAAAAAAAAAAAAAAAAAAAAAAAAAAAAAAAAAAAAAAAAAAAAAAAAAAAAAAAAAAAAAAAAAAAAAAAAAAAAAAAAFAAAADwAAAAAAAAAAAAAAAAAAAkUAAAAAQAAABQAAAAUAAAAFAAAAAEAAAAAAAAAZAAAAGQAAAAAAAAAZAAAAGQAAAAVAAAAYAAAAAAAAAAAAAAADwAAACADAAAAAAAAAAAAAAEAAACgMgAAVgcAAKr4//8BAAAAf39/AAEAAABkAAAAAAAAABQAAABAHwAAAAAAACYAAAAAAAAAwOD//wAAAAAmAAAAZAAAABYAAABMAAAAAAAAAAAAAAAEAAAAAAAAAAEAAADn5uYKAAAAACgAAAAoAAAAZAAAAGQAAAAAAAAAzMzMAAAAAABQAAAAUAAAAGQAAABkAAAAAAAAABcAAAAUAAAAAAAAAAAAAAD/fwAA/38AAAAAAAAJAAAABAAAAAAAAAAeAAAAaAAAAAAAAAAAAAAAAAAAAAAAAAAAAAAAECcAABAnAAAAAAAAAAAAAAAAAAAAAAAAAAAAAAAAAAAAAAAAAAAAABQAAAAAAAAAwMD/AAAAAABkAAAAMgAAAAAAAABkAAAAAAAAAH9/fwAKAAAAIgAAABgAAAAAAAAAAAAAAAAAAAAAAAAAAAAAAAAAAAAkAAAAJAAAAAAAAAAHAAAAAAAAAAAAAAAAAAAAAAAAAAAAAAAAAAAAf39/ACUAAABYAAAAAAAAAAAAAAAAAAAAAAAAAAAAAAAAAAAAAAAAAAAAAAAAAAAAAAAAAAAAAAA/AAAAAAAAAKCGAQAAAAAAAAAAAAAAAAAMAAAAAQAAAAAAAAAAAAAAAAAAAB8AAABUAAAAAAAABQAAAAEAAAAAAAAAAAAAAAAAAAAAAAAAAAAAAAAAAAAAAAAAAAAAAAJ/f38AAAAAA8zMzADAwP8Af39/AAAAAAAAAAAAAAAAAAAAAAAAAAAAIQAAABgAAAAUAAAAwAMAAKcWAAB8GQAAUiIAABAAAAAmAAAACAAAAD0gAAAAAAAA"/>
+                <pr:smNativeData xmlns:mc="http://schemas.openxmlformats.org/markup-compatibility/2006" xmlns:p14="http://schemas.microsoft.com/office/powerpoint/2010/main" xmlns:p15="http://schemas.microsoft.com/office/powerpoint/2012/main" xmlns:pr="smNativeData" xmlns="smNativeData" val="SMDATA_15_q5OGZBMAAAAlAAAAZAAAAA0AAAAAAAAAAAAAAAAAAAAAAAAAAAAAAAAAAAAAAAAAAAEAAABQAAAAAAAAAAAA4D8AAAAAAADgPwAAAAAAAOA/AAAAAAAA4D8AAAAAAADgPwAAAAAAAOA/AAAAAAAA4D8AAAAAAADgPwAAAAAAAOA/AAAAAAAA4D8CAAAAjAAAAAAAAAAAAAAARHLEDP///wgAAAAAAAAAAAAAAAAAAAAAAAAAAAAAAAAAAAAAZAAAAAEAAABAAAAAAAAAAAAAAAAAAAAAAAAAAAAAAAAAAAAAAAAAAAAAAAAAAAAAAAAAAAAAAAAAAAAAAAAAAAAAAAAAAAAAAAAAAAAAAAAAAAAAAAAAAAAAAAAAAAAAFAAAADwAAAAAAAAAAAAAAAAAAAkUAAAAAQAAABQAAAAUAAAAFAAAAAEAAAAAAAAAZAAAAGQAAAAAAAAAZAAAAGQAAAAVAAAAYAAAAAAAAAAAAAAADwAAACADAAAAAAAAAAAAAAEAAACgMgAAVgcAAKr4//8BAAAAf39/AAEAAABkAAAAAAAAABQAAABAHwAAAAAAACYAAAAAAAAAwOD//wAAAAAmAAAAZAAAABYAAABMAAAAAAAAAAAAAAAEAAAAAAAAAAEAAADn5uYKAAAAACgAAAAoAAAAZAAAAGQAAAAAAAAAzMzMAAAAAABQAAAAUAAAAGQAAABkAAAAAAAAABcAAAAUAAAAAAAAAAAAAAD/fwAA/38AAAAAAAAJAAAABAAAAAAAAAAeAAAAaAAAAAAAAAAAAAAAAAAAAAAAAAAAAAAAECcAABAnAAAAAAAAAAAAAAAAAAAAAAAAAAAAAAAAAAAAAAAAAAAAABQAAAAAAAAAwMD/AAAAAABkAAAAMgAAAAAAAABkAAAAAAAAAH9/fwAKAAAAIgAAABgAAAAAAAAAAAAAAAAAAAAAAAAAAAAAAAAAAAAkAAAAJAAAAAAAAAAHAAAAAAAAAAAAAAAAAAAAAAAAAAAAAAAAAAAAf39/ACUAAABYAAAAAAAAAAAAAAAAAAAAAAAAAAAAAAAAAAAAAAAAAAAAAAAAAAAAAAAAAAAAAAA/AAAAAAAAAKCGAQAAAAAAAAAAAAAAAAAMAAAAAQAAAAAAAAAAAAAAAAAAAB8AAABUAAAAAAAABQAAAAEAAAAAAAAAAAAAAAAAAAAAAAAAAAAAAAAAAAAAAAAAAAAAAAJ/f38AAAAAA8zMzADAwP8Af39/AAAAAAAAAAAAAAAAAAAAAAAAAAAAIQAAABgAAAAUAAAAwAMAAKcWAAB8GQAAUiIAABAAAAAmAAAACAAAAD0gAAAAAAAA"/>
               </a:ext>
             </a:extLst>
           </p:cNvSpPr>
@@ -4122,7 +4125,7 @@
             <a:spLocks noGrp="1" noChangeArrowheads="1"/>
             <a:extLst>
               <a:ext uri="smNativeData">
-                <pr:smNativeData xmlns="smNativeData" xmlns:pr="smNativeData" xmlns:p15="http://schemas.microsoft.com/office/powerpoint/2012/main" xmlns:p14="http://schemas.microsoft.com/office/powerpoint/2010/main" xmlns:mc="http://schemas.openxmlformats.org/markup-compatibility/2006" val="SMDATA_15_q5OGZBMAAAAlAAAAZAAAAA0AAAAAAAAAAAAAAAAAAAAAAAAAAAAAAAAAAAAAAAAAAAEAAABQAAAAAAAAAAAA4D8AAAAAAADgPwAAAAAAAOA/AAAAAAAA4D8AAAAAAADgPwAAAAAAAOA/AAAAAAAA4D8AAAAAAADgPwAAAAAAAOA/AAAAAAAA4D8CAAAAjAAAAAAAAAAAAAAARHLEDP///wgAAAAAAAAAAAAAAAAAAAAAAAAAAAAAAAAAAAAAZAAAAAEAAABAAAAAAAAAAAAAAAAAAAAAAAAAAAAAAAAAAAAAAAAAAAAAAAAAAAAAAAAAAAAAAAAAAAAAAAAAAAAAAAAAAAAAAAAAAAAAAAAAAAAAAAAAAAAAAAAAAAAAFAAAADwAAAAAAAAAAAAAAAAAAAkUAAAAAQAAABQAAAAUAAAAFAAAAAEAAAAAAAAAZAAAAGQAAAAAAAAAZAAAAGQAAAAVAAAAYAAAAAAAAAAAAAAADwAAACADAAAAAAAAAAAAAAEAAACgMgAAVgcAAKr4//8BAAAAf39/AAEAAABkAAAAAAAAABQAAABAHwAAAAAAACYAAAAAAAAAwOD//wAAAAAmAAAAZAAAABYAAABMAAAAAAAAAAAAAAAEAAAAAAAAAAEAAADn5uYKAAAAACgAAAAoAAAAZAAAAGQAAAAAAAAAzMzMAAAAAABQAAAAUAAAAGQAAABkAAAAAAAAABcAAAAUAAAAAAAAAAAAAAD/fwAA/38AAAAAAAAJAAAABAAAAAAAAAAeAAAAaAAAAAAAAAAAAAAAAAAAAAAAAAAAAAAAECcAABAnAAAAAAAAAAAAAAAAAAAAAAAAAAAAAAAAAAAAAAAAAAAAABQAAAAAAAAAwMD/AAAAAABkAAAAMgAAAAAAAABkAAAAAAAAAH9/fwAKAAAAIgAAABgAAAAAAAAAAAAAAAAAAAAAAAAAAAAAAAAAAAAkAAAAJAAAAAAAAAAHAAAAAAAAAAAAAAAAAAAAAAAAAAAAAAAAAAAAf39/ACUAAABYAAAAAAAAAAAAAAAAAAAAAAAAAAAAAAAAAAAAAAAAAAAAAAAAAAAAAAAAAAAAAAA/AAAAAAAAAKCGAQAAAAAAAAAAAAAAAAAMAAAAAQAAAAAAAAAAAAAAAAAAAB8AAABUAAAAAAAABQAAAAEAAAAAAAAAAAAAAAAAAAAAAAAAAAAAAAAAAAAAAAAAAAAAAAJ/f38AAAAAA8zMzADAwP8Af39/AAAAAAAAAAAAAAAAAAAAAAAAAAAAIQAAABgAAAAUAAAAkxoAAKcWAABOMAAAUiIAABAAAAAmAAAACAAAAD0gAAAAAAAA"/>
+                <pr:smNativeData xmlns:mc="http://schemas.openxmlformats.org/markup-compatibility/2006" xmlns:p14="http://schemas.microsoft.com/office/powerpoint/2010/main" xmlns:p15="http://schemas.microsoft.com/office/powerpoint/2012/main" xmlns:pr="smNativeData" xmlns="smNativeData" val="SMDATA_15_q5OGZBMAAAAlAAAAZAAAAA0AAAAAAAAAAAAAAAAAAAAAAAAAAAAAAAAAAAAAAAAAAAEAAABQAAAAAAAAAAAA4D8AAAAAAADgPwAAAAAAAOA/AAAAAAAA4D8AAAAAAADgPwAAAAAAAOA/AAAAAAAA4D8AAAAAAADgPwAAAAAAAOA/AAAAAAAA4D8CAAAAjAAAAAAAAAAAAAAARHLEDP///wgAAAAAAAAAAAAAAAAAAAAAAAAAAAAAAAAAAAAAZAAAAAEAAABAAAAAAAAAAAAAAAAAAAAAAAAAAAAAAAAAAAAAAAAAAAAAAAAAAAAAAAAAAAAAAAAAAAAAAAAAAAAAAAAAAAAAAAAAAAAAAAAAAAAAAAAAAAAAAAAAAAAAFAAAADwAAAAAAAAAAAAAAAAAAAkUAAAAAQAAABQAAAAUAAAAFAAAAAEAAAAAAAAAZAAAAGQAAAAAAAAAZAAAAGQAAAAVAAAAYAAAAAAAAAAAAAAADwAAACADAAAAAAAAAAAAAAEAAACgMgAAVgcAAKr4//8BAAAAf39/AAEAAABkAAAAAAAAABQAAABAHwAAAAAAACYAAAAAAAAAwOD//wAAAAAmAAAAZAAAABYAAABMAAAAAAAAAAAAAAAEAAAAAAAAAAEAAADn5uYKAAAAACgAAAAoAAAAZAAAAGQAAAAAAAAAzMzMAAAAAABQAAAAUAAAAGQAAABkAAAAAAAAABcAAAAUAAAAAAAAAAAAAAD/fwAA/38AAAAAAAAJAAAABAAAAAAAAAAeAAAAaAAAAAAAAAAAAAAAAAAAAAAAAAAAAAAAECcAABAnAAAAAAAAAAAAAAAAAAAAAAAAAAAAAAAAAAAAAAAAAAAAABQAAAAAAAAAwMD/AAAAAABkAAAAMgAAAAAAAABkAAAAAAAAAH9/fwAKAAAAIgAAABgAAAAAAAAAAAAAAAAAAAAAAAAAAAAAAAAAAAAkAAAAJAAAAAAAAAAHAAAAAAAAAAAAAAAAAAAAAAAAAAAAAAAAAAAAf39/ACUAAABYAAAAAAAAAAAAAAAAAAAAAAAAAAAAAAAAAAAAAAAAAAAAAAAAAAAAAAAAAAAAAAA/AAAAAAAAAKCGAQAAAAAAAAAAAAAAAAAMAAAAAQAAAAAAAAAAAAAAAAAAAB8AAABUAAAAAAAABQAAAAEAAAAAAAAAAAAAAAAAAAAAAAAAAAAAAAAAAAAAAAAAAAAAAAJ/f38AAAAAA8zMzADAwP8Af39/AAAAAAAAAAAAAAAAAAAAAAAAAAAAIQAAABgAAAAUAAAAkxoAAKcWAABOMAAAUiIAABAAAAAmAAAACAAAAD0gAAAAAAAA"/>
               </a:ext>
             </a:extLst>
           </p:cNvSpPr>
@@ -4158,7 +4161,7 @@
             <a:spLocks noGrp="1" noChangeArrowheads="1"/>
             <a:extLst>
               <a:ext uri="smNativeData">
-                <pr:smNativeData xmlns="smNativeData" xmlns:pr="smNativeData" xmlns:p15="http://schemas.microsoft.com/office/powerpoint/2012/main" xmlns:p14="http://schemas.microsoft.com/office/powerpoint/2010/main" xmlns:mc="http://schemas.openxmlformats.org/markup-compatibility/2006" val="SMDATA_15_q5OGZBMAAAAlAAAAZAAAAA0AAAAAAAAAAAAAAAAAAAAAAAAAAAAAAAAAAAAAAAAAAAEAAABQAAAAAAAAAAAA4D8AAAAAAADgPwAAAAAAAOA/AAAAAAAA4D8AAAAAAADgPwAAAAAAAOA/AAAAAAAA4D8AAAAAAADgPwAAAAAAAOA/AAAAAAAA4D8CAAAAjAAAAAAAAAAAAAAARHLEDP///wgAAAAAAAAAAAAAAAAAAAAAAAAAAAAAAAAAAAAAZAAAAAEAAABAAAAAAAAAAAAAAAAAAAAAAAAAAAAAAAAAAAAAAAAAAAAAAAAAAAAAAAAAAAAAAAAAAAAAAAAAAAAAAAAAAAAAAAAAAAAAAAAAAAAAAAAAAAAAAAAAAAAAFAAAADwAAAAAAAAAAAAAAAAAAAkUAAAAAQAAABQAAAAUAAAAFAAAAAEAAAAAAAAAZAAAAGQAAAAAAAAAZAAAAGQAAAAVAAAAYAAAAAAAAAAAAAAADwAAACADAAAAAAAAAAAAAAEAAACgMgAAVgcAAKr4//8BAAAAf39/AAEAAABkAAAAAAAAABQAAABAHwAAAAAAACYAAAAAAAAAwOD//wAAAAAmAAAAZAAAABYAAABMAAAAAAAAAAAAAAAEAAAAAAAAAAEAAADn5uYKAAAAACgAAAAoAAAAZAAAAGQAAAAAAAAAzMzMAAAAAABQAAAAUAAAAGQAAABkAAAAAAAAABcAAAAUAAAAAAAAAAAAAAD/fwAA/38AAAAAAAAJAAAABAAAAAAAAAAeAAAAaAAAAAAAAAAAAAAAAAAAAAAAAAAAAAAAECcAABAnAAAAAAAAAAAAAAAAAAAAAAAAAAAAAAAAAAAAAAAAAAAAABQAAAAAAAAAwMD/AAAAAABkAAAAMgAAAAAAAABkAAAAAAAAAH9/fwAKAAAAIgAAABgAAAAAAAAAAAAAAAAAAAAAAAAAAAAAAAAAAAAkAAAAJAAAAAAAAAAHAAAAAAAAAAAAAAAAAAAAAAAAAAAAAAAAAAAAf39/ACUAAABYAAAAAAAAAAAAAAAAAAAAAAAAAAAAAAAAAAAAAAAAAAAAAAAAAAAAAAAAAAAAAAA/AAAAAAAAAKCGAQAAAAAAAAAAAAAAAAAMAAAAAQAAAAAAAAAAAAAAAAAAAB8AAABUAAAAAAAABQAAAAEAAAAAAAAAAAAAAAAAAAAAAAAAAAAAAAAAAAAAAAAAAAAAAAJ/f38AAAAAA8zMzADAwP8Af39/AAAAAAAAAAAAAAAAAAAAAAAAAAAAIQAAABgAAAAUAAAAZTEAAKcWAAAhRwAAUiIAABAAAAAmAAAACAAAAD0gAAAAAAAA"/>
+                <pr:smNativeData xmlns:mc="http://schemas.openxmlformats.org/markup-compatibility/2006" xmlns:p14="http://schemas.microsoft.com/office/powerpoint/2010/main" xmlns:p15="http://schemas.microsoft.com/office/powerpoint/2012/main" xmlns:pr="smNativeData" xmlns="smNativeData" val="SMDATA_15_q5OGZBMAAAAlAAAAZAAAAA0AAAAAAAAAAAAAAAAAAAAAAAAAAAAAAAAAAAAAAAAAAAEAAABQAAAAAAAAAAAA4D8AAAAAAADgPwAAAAAAAOA/AAAAAAAA4D8AAAAAAADgPwAAAAAAAOA/AAAAAAAA4D8AAAAAAADgPwAAAAAAAOA/AAAAAAAA4D8CAAAAjAAAAAAAAAAAAAAARHLEDP///wgAAAAAAAAAAAAAAAAAAAAAAAAAAAAAAAAAAAAAZAAAAAEAAABAAAAAAAAAAAAAAAAAAAAAAAAAAAAAAAAAAAAAAAAAAAAAAAAAAAAAAAAAAAAAAAAAAAAAAAAAAAAAAAAAAAAAAAAAAAAAAAAAAAAAAAAAAAAAAAAAAAAAFAAAADwAAAAAAAAAAAAAAAAAAAkUAAAAAQAAABQAAAAUAAAAFAAAAAEAAAAAAAAAZAAAAGQAAAAAAAAAZAAAAGQAAAAVAAAAYAAAAAAAAAAAAAAADwAAACADAAAAAAAAAAAAAAEAAACgMgAAVgcAAKr4//8BAAAAf39/AAEAAABkAAAAAAAAABQAAABAHwAAAAAAACYAAAAAAAAAwOD//wAAAAAmAAAAZAAAABYAAABMAAAAAAAAAAAAAAAEAAAAAAAAAAEAAADn5uYKAAAAACgAAAAoAAAAZAAAAGQAAAAAAAAAzMzMAAAAAABQAAAAUAAAAGQAAABkAAAAAAAAABcAAAAUAAAAAAAAAAAAAAD/fwAA/38AAAAAAAAJAAAABAAAAAAAAAAeAAAAaAAAAAAAAAAAAAAAAAAAAAAAAAAAAAAAECcAABAnAAAAAAAAAAAAAAAAAAAAAAAAAAAAAAAAAAAAAAAAAAAAABQAAAAAAAAAwMD/AAAAAABkAAAAMgAAAAAAAABkAAAAAAAAAH9/fwAKAAAAIgAAABgAAAAAAAAAAAAAAAAAAAAAAAAAAAAAAAAAAAAkAAAAJAAAAAAAAAAHAAAAAAAAAAAAAAAAAAAAAAAAAAAAAAAAAAAAf39/ACUAAABYAAAAAAAAAAAAAAAAAAAAAAAAAAAAAAAAAAAAAAAAAAAAAAAAAAAAAAAAAAAAAAA/AAAAAAAAAKCGAQAAAAAAAAAAAAAAAAAMAAAAAQAAAAAAAAAAAAAAAAAAAB8AAABUAAAAAAAABQAAAAEAAAAAAAAAAAAAAAAAAAAAAAAAAAAAAAAAAAAAAAAAAAAAAAJ/f38AAAAAA8zMzADAwP8Af39/AAAAAAAAAAAAAAAAAAAAAAAAAAAAIQAAABgAAAAUAAAAZTEAAKcWAAAhRwAAUiIAABAAAAAmAAAACAAAAD0gAAAAAAAA"/>
               </a:ext>
             </a:extLst>
           </p:cNvSpPr>
@@ -4244,7 +4247,7 @@
             <a:spLocks noGrp="1" noChangeArrowheads="1"/>
             <a:extLst>
               <a:ext uri="smNativeData">
-                <pr:smNativeData xmlns="smNativeData" xmlns:pr="smNativeData" xmlns:p15="http://schemas.microsoft.com/office/powerpoint/2012/main" xmlns:p14="http://schemas.microsoft.com/office/powerpoint/2010/main" xmlns:mc="http://schemas.openxmlformats.org/markup-compatibility/2006" val="SMDATA_15_q5OGZBMAAAAlAAAAZAAAAA0AAAAAAAAAAAAAAAAAAAAAAAAAAAAAAAABAAAAAAAAAAEAAABQAAAAAAAAAAAA4D8AAAAAAADgPwAAAAAAAOA/AAAAAAAA4D8AAAAAAADgPwAAAAAAAOA/AAAAAAAA4D8AAAAAAADgPwAAAAAAAOA/AAAAAAAA4D8CAAAAjAAAAAAAAAAAAAAARHLEDP///wgAAAAAAAAAAAAAAAAAAAAAAAAAAAAAAAAAAAAAZAAAAAEAAABAAAAAAAAAAAAAAAAAAAAAAAAAAAAAAAAAAAAAAAAAAAAAAAAAAAAAAAAAAAAAAAAAAAAAAAAAAAAAAAAAAAAAAAAAAAAAAAAAAAAAAAAAAAAAAAAAAAAAFAAAADwAAAAAAAAAAAAAAAAAAAkUAAAAAQAAABQAAAAUAAAAFAAAAAEAAAAAAAAAZAAAAGQAAAAAAAAAZAAAAGQAAAAVAAAAYAAAAAAAAAAAAAAADwAAACADAAAAAAAAAAAAAAEAAACgMgAAVgcAAKr4//8BAAAAf39/AAEAAABkAAAAAAAAABQAAABAHwAAAAAAACYAAAAAAAAAwOD//wAAAAAmAAAAZAAAABYAAABMAAAAAAAAAAAAAAAEAAAAAAAAAAEAAADn5uYKAAAAACgAAAAoAAAAZAAAAGQAAAAAAAAAzMzMAAAAAABQAAAAUAAAAGQAAABkAAAAAAAAABcAAAAUAAAAAAAAAAAAAAD/fwAA/38AAAAAAAAJAAAABAAAAAAAAAAeAAAAaAAAAAAAAAAAAAAAAAAAAAAAAAAAAAAAECcAABAnAAAAAAAAAAAAAAAAAAAAAAAAAAAAAAAAAAAAAAAAAAAAABQAAAAAAAAAwMD/AAAAAABkAAAAMgAAAAAAAABkAAAAAAAAAH9/fwAKAAAAIgAAABgAAAAAAAAAAAAAAAAAAAAAAAAAAAAAAAAAAAAkAAAAJAAAAAAAAAAHAAAAAAAAAAAAAAAAAAAAAAAAAAAAAAAAAAAAf39/ACUAAABYAAAAAAAAAAAAAAAAAAAAAAAAAAAAAAAAAAAAAAAAAAAAAAAAAAAAAAAAAAAAAAA/AAAAAAAAAKCGAQAAAAAAAAAAAAAAAAAMAAAAAQAAAAAAAAAAAAAAAAAAAB8AAABUAAAAAAAABQAAAAEAAAAAAAAAAAAAAAAAAAAAAAAAAAAAAAAAAAAAAAAAAAAAAAJ/f38AAAAAA8zMzADAwP8Af39/AAAAAAAAAAAAAAAAAAAAAAAAAAAAIQAAABgAAAAUAAAAwAMAAK8BAAA/RwAAuggAABAAAAAmAAAACAAAADwgAAAAAAAA"/>
+                <pr:smNativeData xmlns:mc="http://schemas.openxmlformats.org/markup-compatibility/2006" xmlns:p14="http://schemas.microsoft.com/office/powerpoint/2010/main" xmlns:p15="http://schemas.microsoft.com/office/powerpoint/2012/main" xmlns:pr="smNativeData" xmlns="smNativeData" val="SMDATA_15_q5OGZBMAAAAlAAAAZAAAAA0AAAAAAAAAAAAAAAAAAAAAAAAAAAAAAAABAAAAAAAAAAEAAABQAAAAAAAAAAAA4D8AAAAAAADgPwAAAAAAAOA/AAAAAAAA4D8AAAAAAADgPwAAAAAAAOA/AAAAAAAA4D8AAAAAAADgPwAAAAAAAOA/AAAAAAAA4D8CAAAAjAAAAAAAAAAAAAAARHLEDP///wgAAAAAAAAAAAAAAAAAAAAAAAAAAAAAAAAAAAAAZAAAAAEAAABAAAAAAAAAAAAAAAAAAAAAAAAAAAAAAAAAAAAAAAAAAAAAAAAAAAAAAAAAAAAAAAAAAAAAAAAAAAAAAAAAAAAAAAAAAAAAAAAAAAAAAAAAAAAAAAAAAAAAFAAAADwAAAAAAAAAAAAAAAAAAAkUAAAAAQAAABQAAAAUAAAAFAAAAAEAAAAAAAAAZAAAAGQAAAAAAAAAZAAAAGQAAAAVAAAAYAAAAAAAAAAAAAAADwAAACADAAAAAAAAAAAAAAEAAACgMgAAVgcAAKr4//8BAAAAf39/AAEAAABkAAAAAAAAABQAAABAHwAAAAAAACYAAAAAAAAAwOD//wAAAAAmAAAAZAAAABYAAABMAAAAAAAAAAAAAAAEAAAAAAAAAAEAAADn5uYKAAAAACgAAAAoAAAAZAAAAGQAAAAAAAAAzMzMAAAAAABQAAAAUAAAAGQAAABkAAAAAAAAABcAAAAUAAAAAAAAAAAAAAD/fwAA/38AAAAAAAAJAAAABAAAAAAAAAAeAAAAaAAAAAAAAAAAAAAAAAAAAAAAAAAAAAAAECcAABAnAAAAAAAAAAAAAAAAAAAAAAAAAAAAAAAAAAAAAAAAAAAAABQAAAAAAAAAwMD/AAAAAABkAAAAMgAAAAAAAABkAAAAAAAAAH9/fwAKAAAAIgAAABgAAAAAAAAAAAAAAAAAAAAAAAAAAAAAAAAAAAAkAAAAJAAAAAAAAAAHAAAAAAAAAAAAAAAAAAAAAAAAAAAAAAAAAAAAf39/ACUAAABYAAAAAAAAAAAAAAAAAAAAAAAAAAAAAAAAAAAAAAAAAAAAAAAAAAAAAAAAAAAAAAA/AAAAAAAAAKCGAQAAAAAAAAAAAAAAAAAMAAAAAQAAAAAAAAAAAAAAAAAAAB8AAABUAAAAAAAABQAAAAEAAAAAAAAAAAAAAAAAAAAAAAAAAAAAAAAAAAAAAAAAAAAAAAJ/f38AAAAAA8zMzADAwP8Af39/AAAAAAAAAAAAAAAAAAAAAAAAAAAAIQAAABgAAAAUAAAAwAMAAK8BAAA/RwAAuggAABAAAAAmAAAACAAAADwgAAAAAAAA"/>
               </a:ext>
             </a:extLst>
           </p:cNvSpPr>
@@ -4275,7 +4278,7 @@
             <a:spLocks noGrp="1" noChangeArrowheads="1"/>
             <a:extLst>
               <a:ext uri="smNativeData">
-                <pr:smNativeData xmlns="smNativeData" xmlns:pr="smNativeData" xmlns:p15="http://schemas.microsoft.com/office/powerpoint/2012/main" xmlns:p14="http://schemas.microsoft.com/office/powerpoint/2010/main" xmlns:mc="http://schemas.openxmlformats.org/markup-compatibility/2006" val="SMDATA_15_q5OGZBMAAAAlAAAAZAAAAA0AAAAAAAAAAAAAAAAAAAAAAAAAAAAAAAABAAAAAAAAAAEAAABQAAAAAAAAAAAA4D8AAAAAAADgPwAAAAAAAOA/AAAAAAAA4D8AAAAAAADgPwAAAAAAAOA/AAAAAAAA4D8AAAAAAADgPwAAAAAAAOA/AAAAAAAA4D8CAAAAjAAAAAAAAAAAAAAARHLEDP///wgAAAAAAAAAAAAAAAAAAAAAAAAAAAAAAAAAAAAAZAAAAAEAAABAAAAAAAAAAAAAAAAAAAAAAAAAAAAAAAAAAAAAAAAAAAAAAAAAAAAAAAAAAAAAAAAAAAAAAAAAAAAAAAAAAAAAAAAAAAAAAAAAAAAAAAAAAAAAAAAAAAAAFAAAADwAAAAAAAAAAAAAAAAAAAkUAAAAAQAAABQAAAAUAAAAFAAAAAEAAAAAAAAAZAAAAGQAAAAAAAAAZAAAAGQAAAAVAAAAYAAAAAAAAAAAAAAADwAAACADAAAAAAAAAAAAAAEAAACgMgAAVgcAAKr4//8BAAAAf39/AAEAAABkAAAAAAAAABQAAABAHwAAAAAAACYAAAAAAAAAwOD//wAAAAAmAAAAZAAAABYAAABMAAAAAAAAAAAAAAAEAAAAAAAAAAEAAADn5uYKAAAAACgAAAAoAAAAZAAAAGQAAAAAAAAAzMzMAAAAAABQAAAAUAAAAGQAAABkAAAAAAAAABcAAAAUAAAAAAAAAAAAAAD/fwAA/38AAAAAAAAJAAAABAAAAAAAAAAeAAAAaAAAAAAAAAAAAAAAAAAAAAAAAAAAAAAAECcAABAnAAAAAAAAAAAAAAAAAAAAAAAAAAAAAAAAAAAAAAAAAAAAABQAAAAAAAAAwMD/AAAAAABkAAAAMgAAAAAAAABkAAAAAAAAAH9/fwAKAAAAIgAAABgAAAAAAAAAAAAAAAAAAAAAAAAAAAAAAAAAAAAkAAAAJAAAAAAAAAAHAAAAAAAAAAAAAAAAAAAAAAAAAAAAAAAAAAAAf39/ACUAAABYAAAAAAAAAAAAAAAAAAAAAAAAAAAAAAAAAAAAAAAAAAAAAAAAAAAAAAAAAAAAAAA/AAAAAAAAAKCGAQAAAAAAAAAAAAAAAAAMAAAAAQAAAAAAAAAAAAAAAAAAAB8AAABUAAAAAAAABQAAAAEAAAAAAAAAAAAAAAAAAAAAAAAAAAAAAAAAAAAAAAAAAAAAAAJ/f38AAAAAA8zMzADAwP8Af39/AAAAAAAAAAAAAAAAAAAAAAAAAAAAIQAAABgAAAAUAAAAwAMAAN8JAAA/RwAAViIAABAAAAAmAAAACAAAALwgAAAAAAAA"/>
+                <pr:smNativeData xmlns:mc="http://schemas.openxmlformats.org/markup-compatibility/2006" xmlns:p14="http://schemas.microsoft.com/office/powerpoint/2010/main" xmlns:p15="http://schemas.microsoft.com/office/powerpoint/2012/main" xmlns:pr="smNativeData" xmlns="smNativeData" val="SMDATA_15_q5OGZBMAAAAlAAAAZAAAAA0AAAAAAAAAAAAAAAAAAAAAAAAAAAAAAAABAAAAAAAAAAEAAABQAAAAAAAAAAAA4D8AAAAAAADgPwAAAAAAAOA/AAAAAAAA4D8AAAAAAADgPwAAAAAAAOA/AAAAAAAA4D8AAAAAAADgPwAAAAAAAOA/AAAAAAAA4D8CAAAAjAAAAAAAAAAAAAAARHLEDP///wgAAAAAAAAAAAAAAAAAAAAAAAAAAAAAAAAAAAAAZAAAAAEAAABAAAAAAAAAAAAAAAAAAAAAAAAAAAAAAAAAAAAAAAAAAAAAAAAAAAAAAAAAAAAAAAAAAAAAAAAAAAAAAAAAAAAAAAAAAAAAAAAAAAAAAAAAAAAAAAAAAAAAFAAAADwAAAAAAAAAAAAAAAAAAAkUAAAAAQAAABQAAAAUAAAAFAAAAAEAAAAAAAAAZAAAAGQAAAAAAAAAZAAAAGQAAAAVAAAAYAAAAAAAAAAAAAAADwAAACADAAAAAAAAAAAAAAEAAACgMgAAVgcAAKr4//8BAAAAf39/AAEAAABkAAAAAAAAABQAAABAHwAAAAAAACYAAAAAAAAAwOD//wAAAAAmAAAAZAAAABYAAABMAAAAAAAAAAAAAAAEAAAAAAAAAAEAAADn5uYKAAAAACgAAAAoAAAAZAAAAGQAAAAAAAAAzMzMAAAAAABQAAAAUAAAAGQAAABkAAAAAAAAABcAAAAUAAAAAAAAAAAAAAD/fwAA/38AAAAAAAAJAAAABAAAAAAAAAAeAAAAaAAAAAAAAAAAAAAAAAAAAAAAAAAAAAAAECcAABAnAAAAAAAAAAAAAAAAAAAAAAAAAAAAAAAAAAAAAAAAAAAAABQAAAAAAAAAwMD/AAAAAABkAAAAMgAAAAAAAABkAAAAAAAAAH9/fwAKAAAAIgAAABgAAAAAAAAAAAAAAAAAAAAAAAAAAAAAAAAAAAAkAAAAJAAAAAAAAAAHAAAAAAAAAAAAAAAAAAAAAAAAAAAAAAAAAAAAf39/ACUAAABYAAAAAAAAAAAAAAAAAAAAAAAAAAAAAAAAAAAAAAAAAAAAAAAAAAAAAAAAAAAAAAA/AAAAAAAAAKCGAQAAAAAAAAAAAAAAAAAMAAAAAQAAAAAAAAAAAAAAAAAAAB8AAABUAAAAAAAABQAAAAEAAAAAAAAAAAAAAAAAAAAAAAAAAAAAAAAAAAAAAAAAAAAAAAJ/f38AAAAAA8zMzADAwP8Af39/AAAAAAAAAAAAAAAAAAAAAAAAAAAAIQAAABgAAAAUAAAAwAMAAN8JAAA/RwAAViIAABAAAAAmAAAACAAAALwgAAAAAAAA"/>
               </a:ext>
             </a:extLst>
           </p:cNvSpPr>
@@ -4331,7 +4334,7 @@
             <a:spLocks noGrp="1" noChangeArrowheads="1"/>
             <a:extLst>
               <a:ext uri="smNativeData">
-                <pr:smNativeData xmlns="smNativeData" xmlns:pr="smNativeData" xmlns:p15="http://schemas.microsoft.com/office/powerpoint/2012/main" xmlns:p14="http://schemas.microsoft.com/office/powerpoint/2010/main" xmlns:mc="http://schemas.openxmlformats.org/markup-compatibility/2006" val="SMDATA_15_q5OGZBMAAAAlAAAAZAAAAA0AAAAAAAAAAAAAAAAAAAAAAAAAAAAAAAABAAAAAAAAAAEAAABQAAAAAAAAAAAA4D8AAAAAAADgPwAAAAAAAOA/AAAAAAAA4D8AAAAAAADgPwAAAAAAAOA/AAAAAAAA4D8AAAAAAADgPwAAAAAAAOA/AAAAAAAA4D8CAAAAjAAAAAAAAAAAAAAARHLEDP///wgAAAAAAAAAAAAAAAAAAAAAAAAAAAAAAAAAAAAAZAAAAAEAAABAAAAAAAAAAAAAAAAAAAAAAAAAAAAAAAAAAAAAAAAAAAAAAAAAAAAAAAAAAAAAAAAAAAAAAAAAAAAAAAAAAAAAAAAAAAAAAAAAAAAAAAAAAAAAAAAAAAAAFAAAADwAAAAAAAAAAAAAAAAAAAkUAAAAAQAAABQAAAAUAAAAFAAAAAEAAAAAAAAAZAAAAGQAAAAAAAAAZAAAAGQAAAAVAAAAYAAAAAAAAAAAAAAADwAAACADAAAAAAAAAAAAAAEAAACgMgAAVgcAAKr4//8BAAAAf39/AAEAAABkAAAAAAAAABQAAABAHwAAAAAAACYAAAAAAAAAwOD//wAAAAAmAAAAZAAAABYAAABMAAAAAAAAAAAAAAAEAAAAAAAAAAEAAADn5uYKAAAAACgAAAAoAAAAZAAAAGQAAAAAAAAAzMzMAAAAAABQAAAAUAAAAGQAAABkAAAAAAAAABcAAAAUAAAAAAAAAAAAAAD/fwAA/38AAAAAAAAJAAAABAAAAAAAAAAeAAAAaAAAAAAAAAAAAAAAAAAAAAAAAAAAAAAAECcAABAnAAAAAAAAAAAAAAAAAAAAAAAAAAAAAAAAAAAAAAAAAAAAABQAAAAAAAAAwMD/AAAAAABkAAAAMgAAAAAAAABkAAAAAAAAAH9/fwAKAAAAIgAAABgAAAAAAAAAAAAAAAAAAAAAAAAAAAAAAAAAAAAkAAAAJAAAAAAAAAAHAAAAAAAAAAAAAAAAAAAAAAAAAAAAAAAAAAAAf39/ACUAAABYAAAAAAAAAAAAAAAAAAAAAAAAAAAAAAAAAAAAAAAAAAAAAAAAAAAAAAAAAAAAAAA/AAAAAAAAAKCGAQAAAAAAAAAAAAAAAAAMAAAAAQAAAAAAAAAAAAAAAAAAAB8AAABUAAAAAAAABQAAAAEAAAAAAAAAAAAAAAAAAAAAAAAAAAAAAAAAAAAAAAAAAAAAAAJ/f38AAAAAA8zMzADAwP8Af39/AAAAAAAAAAAAAAAAAAAAAAAAAAAAIQAAABgAAAAUAAAAwAMAAK8BAAA/RwAAuggAABAAAAAmAAAACAAAADwgAAAAAAAA"/>
+                <pr:smNativeData xmlns:mc="http://schemas.openxmlformats.org/markup-compatibility/2006" xmlns:p14="http://schemas.microsoft.com/office/powerpoint/2010/main" xmlns:p15="http://schemas.microsoft.com/office/powerpoint/2012/main" xmlns:pr="smNativeData" xmlns="smNativeData" val="SMDATA_15_q5OGZBMAAAAlAAAAZAAAAA0AAAAAAAAAAAAAAAAAAAAAAAAAAAAAAAABAAAAAAAAAAEAAABQAAAAAAAAAAAA4D8AAAAAAADgPwAAAAAAAOA/AAAAAAAA4D8AAAAAAADgPwAAAAAAAOA/AAAAAAAA4D8AAAAAAADgPwAAAAAAAOA/AAAAAAAA4D8CAAAAjAAAAAAAAAAAAAAARHLEDP///wgAAAAAAAAAAAAAAAAAAAAAAAAAAAAAAAAAAAAAZAAAAAEAAABAAAAAAAAAAAAAAAAAAAAAAAAAAAAAAAAAAAAAAAAAAAAAAAAAAAAAAAAAAAAAAAAAAAAAAAAAAAAAAAAAAAAAAAAAAAAAAAAAAAAAAAAAAAAAAAAAAAAAFAAAADwAAAAAAAAAAAAAAAAAAAkUAAAAAQAAABQAAAAUAAAAFAAAAAEAAAAAAAAAZAAAAGQAAAAAAAAAZAAAAGQAAAAVAAAAYAAAAAAAAAAAAAAADwAAACADAAAAAAAAAAAAAAEAAACgMgAAVgcAAKr4//8BAAAAf39/AAEAAABkAAAAAAAAABQAAABAHwAAAAAAACYAAAAAAAAAwOD//wAAAAAmAAAAZAAAABYAAABMAAAAAAAAAAAAAAAEAAAAAAAAAAEAAADn5uYKAAAAACgAAAAoAAAAZAAAAGQAAAAAAAAAzMzMAAAAAABQAAAAUAAAAGQAAABkAAAAAAAAABcAAAAUAAAAAAAAAAAAAAD/fwAA/38AAAAAAAAJAAAABAAAAAAAAAAeAAAAaAAAAAAAAAAAAAAAAAAAAAAAAAAAAAAAECcAABAnAAAAAAAAAAAAAAAAAAAAAAAAAAAAAAAAAAAAAAAAAAAAABQAAAAAAAAAwMD/AAAAAABkAAAAMgAAAAAAAABkAAAAAAAAAH9/fwAKAAAAIgAAABgAAAAAAAAAAAAAAAAAAAAAAAAAAAAAAAAAAAAkAAAAJAAAAAAAAAAHAAAAAAAAAAAAAAAAAAAAAAAAAAAAAAAAAAAAf39/ACUAAABYAAAAAAAAAAAAAAAAAAAAAAAAAAAAAAAAAAAAAAAAAAAAAAAAAAAAAAAAAAAAAAA/AAAAAAAAAKCGAQAAAAAAAAAAAAAAAAAMAAAAAQAAAAAAAAAAAAAAAAAAAB8AAABUAAAAAAAABQAAAAEAAAAAAAAAAAAAAAAAAAAAAAAAAAAAAAAAAAAAAAAAAAAAAAJ/f38AAAAAA8zMzADAwP8Af39/AAAAAAAAAAAAAAAAAAAAAAAAAAAAIQAAABgAAAAUAAAAwAMAAK8BAAA/RwAAuggAABAAAAAmAAAACAAAADwgAAAAAAAA"/>
               </a:ext>
             </a:extLst>
           </p:cNvSpPr>
@@ -4362,7 +4365,7 @@
             <a:spLocks noGrp="1" noChangeArrowheads="1"/>
             <a:extLst>
               <a:ext uri="smNativeData">
-                <pr:smNativeData xmlns="smNativeData" xmlns:pr="smNativeData" xmlns:p15="http://schemas.microsoft.com/office/powerpoint/2012/main" xmlns:p14="http://schemas.microsoft.com/office/powerpoint/2010/main" xmlns:mc="http://schemas.openxmlformats.org/markup-compatibility/2006" val="SMDATA_15_q5OGZBMAAAAlAAAAZAAAAA0AAAAAAAAAAAAAAAAAAAAAAAAAAAAAAAAAAAAAAAAAAAEAAABQAAAAAAAAAAAA4D8AAAAAAADgPwAAAAAAAOA/AAAAAAAA4D8AAAAAAADgPwAAAAAAAOA/AAAAAAAA4D8AAAAAAADgPwAAAAAAAOA/AAAAAAAA4D8CAAAAjAAAAAAAAAAAAAAARHLEDP///wgAAAAAAAAAAAAAAAAAAAAAAAAAAAAAAAAAAAAAZAAAAAEAAABAAAAAAAAAAAAAAAAAAAAAAAAAAAAAAAAAAAAAAAAAAAAAAAAAAAAAAAAAAAAAAAAAAAAAAAAAAAAAAAAAAAAAAAAAAAAAAAAAAAAAAAAAAAAAAAAAAAAAFAAAADwAAAAAAAAAAAAAAAAAAAkUAAAAAQAAABQAAAAUAAAAFAAAAAEAAAAAAAAAZAAAAGQAAAAAAAAAZAAAAGQAAAAVAAAAYAAAAAAAAAAAAAAADwAAACADAAAAAAAAAAAAAAEAAACgMgAAVgcAAKr4//8BAAAAf39/AAEAAABkAAAAAAAAABQAAABAHwAAAAAAACYAAAAAAAAAwOD//wAAAAAmAAAAZAAAABYAAABMAAAAAAAAAAAAAAAEAAAAAAAAAAEAAADn5uYKAAAAACgAAAAoAAAAZAAAAGQAAAAAAAAAzMzMAAAAAABQAAAAUAAAAGQAAABkAAAAAAAAABcAAAAUAAAAAAAAAAAAAAD/fwAA/38AAAAAAAAJAAAABAAAAAAAAAAeAAAAaAAAAAAAAAAAAAAAAAAAAAAAAAAAAAAAECcAABAnAAAAAAAAAAAAAAAAAAAAAAAAAAAAAAAAAAAAAAAAAAAAABQAAAAAAAAAwMD/AAAAAABkAAAAMgAAAAAAAABkAAAAAAAAAH9/fwAKAAAAIgAAABgAAAAAAAAAAAAAAAAAAAAAAAAAAAAAAAAAAAAkAAAAJAAAAAAAAAAHAAAAAAAAAAAAAAAAAAAAAAAAAAAAAAAAAAAAf39/ACUAAABYAAAAAAAAAAAAAAAAAAAAAAAAAAAAAAAAAAAAAAAAAAAAAAAAAAAAAAAAAAAAAAA/AAAAAAAAAKCGAQAAAAAAAAAAAAAAAAAMAAAAAQAAAAAAAAAAAAAAAAAAAB8AAABUAAAAAAAABQAAAAEAAAAAAAAAAAAAAAAAAAAAAAAAAAAAAAAAAAAAAAAAAAAAAAJ/f38AAAAAA8zMzADAwP8Af39/AAAAAAAAAAAAAAAAAAAAAAAAAAAAIQAAABgAAAAUAAAAwAMAAN8JAAA/RwAAViIAABAAAAAmAAAACAAAADwgAAAAAAAA"/>
+                <pr:smNativeData xmlns:mc="http://schemas.openxmlformats.org/markup-compatibility/2006" xmlns:p14="http://schemas.microsoft.com/office/powerpoint/2010/main" xmlns:p15="http://schemas.microsoft.com/office/powerpoint/2012/main" xmlns:pr="smNativeData" xmlns="smNativeData" val="SMDATA_15_q5OGZBMAAAAlAAAAZAAAAA0AAAAAAAAAAAAAAAAAAAAAAAAAAAAAAAAAAAAAAAAAAAEAAABQAAAAAAAAAAAA4D8AAAAAAADgPwAAAAAAAOA/AAAAAAAA4D8AAAAAAADgPwAAAAAAAOA/AAAAAAAA4D8AAAAAAADgPwAAAAAAAOA/AAAAAAAA4D8CAAAAjAAAAAAAAAAAAAAARHLEDP///wgAAAAAAAAAAAAAAAAAAAAAAAAAAAAAAAAAAAAAZAAAAAEAAABAAAAAAAAAAAAAAAAAAAAAAAAAAAAAAAAAAAAAAAAAAAAAAAAAAAAAAAAAAAAAAAAAAAAAAAAAAAAAAAAAAAAAAAAAAAAAAAAAAAAAAAAAAAAAAAAAAAAAFAAAADwAAAAAAAAAAAAAAAAAAAkUAAAAAQAAABQAAAAUAAAAFAAAAAEAAAAAAAAAZAAAAGQAAAAAAAAAZAAAAGQAAAAVAAAAYAAAAAAAAAAAAAAADwAAACADAAAAAAAAAAAAAAEAAACgMgAAVgcAAKr4//8BAAAAf39/AAEAAABkAAAAAAAAABQAAABAHwAAAAAAACYAAAAAAAAAwOD//wAAAAAmAAAAZAAAABYAAABMAAAAAAAAAAAAAAAEAAAAAAAAAAEAAADn5uYKAAAAACgAAAAoAAAAZAAAAGQAAAAAAAAAzMzMAAAAAABQAAAAUAAAAGQAAABkAAAAAAAAABcAAAAUAAAAAAAAAAAAAAD/fwAA/38AAAAAAAAJAAAABAAAAAAAAAAeAAAAaAAAAAAAAAAAAAAAAAAAAAAAAAAAAAAAECcAABAnAAAAAAAAAAAAAAAAAAAAAAAAAAAAAAAAAAAAAAAAAAAAABQAAAAAAAAAwMD/AAAAAABkAAAAMgAAAAAAAABkAAAAAAAAAH9/fwAKAAAAIgAAABgAAAAAAAAAAAAAAAAAAAAAAAAAAAAAAAAAAAAkAAAAJAAAAAAAAAAHAAAAAAAAAAAAAAAAAAAAAAAAAAAAAAAAAAAAf39/ACUAAABYAAAAAAAAAAAAAAAAAAAAAAAAAAAAAAAAAAAAAAAAAAAAAAAAAAAAAAAAAAAAAAA/AAAAAAAAAKCGAQAAAAAAAAAAAAAAAAAMAAAAAQAAAAAAAAAAAAAAAAAAAB8AAABUAAAAAAAABQAAAAEAAAAAAAAAAAAAAAAAAAAAAAAAAAAAAAAAAAAAAAAAAAAAAAJ/f38AAAAAA8zMzADAwP8Af39/AAAAAAAAAAAAAAAAAAAAAAAAAAAAIQAAABgAAAAUAAAAwAMAAN8JAAA/RwAAViIAABAAAAAmAAAACAAAADwgAAAAAAAA"/>
               </a:ext>
             </a:extLst>
           </p:cNvSpPr>
@@ -4418,7 +4421,7 @@
             <a:spLocks noGrp="1" noChangeArrowheads="1"/>
             <a:extLst>
               <a:ext uri="smNativeData">
-                <pr:smNativeData xmlns="smNativeData" xmlns:pr="smNativeData" xmlns:p15="http://schemas.microsoft.com/office/powerpoint/2012/main" xmlns:p14="http://schemas.microsoft.com/office/powerpoint/2010/main" xmlns:mc="http://schemas.openxmlformats.org/markup-compatibility/2006" val="SMDATA_15_q5OGZBMAAAAlAAAAZAAAAA0AAAAAAAAAAAAAAAAAAAAAAAAAAAAAAAABAAAAAAAAAAEAAABQAAAAAAAAAAAA4D8AAAAAAADgPwAAAAAAAOA/AAAAAAAA4D8AAAAAAADgPwAAAAAAAOA/AAAAAAAA4D8AAAAAAADgPwAAAAAAAOA/AAAAAAAA4D8CAAAAjAAAAAAAAAAAAAAARHLEDP///wgAAAAAAAAAAAAAAAAAAAAAAAAAAAAAAAAAAAAAZAAAAAEAAABAAAAAAAAAAAAAAAAAAAAAAAAAAAAAAAAAAAAAAAAAAAAAAAAAAAAAAAAAAAAAAAAAAAAAAAAAAAAAAAAAAAAAAAAAAAAAAAAAAAAAAAAAAAAAAAAAAAAAFAAAADwAAAAAAAAAAAAAAAAAAAkUAAAAAQAAABQAAAAUAAAAFAAAAAEAAAAAAAAAZAAAAGQAAAAAAAAAZAAAAGQAAAAVAAAAYAAAAAAAAAAAAAAADwAAACADAAAAAAAAAAAAAAEAAACgMgAAVgcAAKr4//8BAAAAf39/AAEAAABkAAAAAAAAABQAAABAHwAAAAAAACYAAAAAAAAAwOD//wAAAAAmAAAAZAAAABYAAABMAAAAAAAAAAAAAAAEAAAAAAAAAAEAAADn5uYKAAAAACgAAAAoAAAAZAAAAGQAAAAAAAAAzMzMAAAAAABQAAAAUAAAAGQAAABkAAAAAAAAABcAAAAUAAAAAAAAAAAAAAD/fwAA/38AAAAAAAAJAAAABAAAAAAAAAAeAAAAaAAAAAAAAAAAAAAAAAAAAAAAAAAAAAAAECcAABAnAAAAAAAAAAAAAAAAAAAAAAAAAAAAAAAAAAAAAAAAAAAAABQAAAAAAAAAwMD/AAAAAABkAAAAMgAAAAAAAABkAAAAAAAAAH9/fwAKAAAAIgAAABgAAAAAAAAAAAAAAAAAAAAAAAAAAAAAAAAAAAAkAAAAJAAAAAAAAAAHAAAAAAAAAAAAAAAAAAAAAAAAAAAAAAAAAAAAf39/ACUAAABYAAAAAAAAAAAAAAAAAAAAAAAAAAAAAAAAAAAAAAAAAAAAAAAAAAAAAAAAAAAAAAA/AAAAAAAAAKCGAQAAAAAAAAAAAAAAAAAMAAAAAQAAAAAAAAAAAAAAAAAAAB8AAABUAAAAAAAABQAAAAEAAAAAAAAAAAAAAAAAAAAAAAAAAAAAAAAAAAAAAAAAAAAAAAJ/f38AAAAAA8zMzADAwP8Af39/AAAAAAAAAAAAAAAAAAAAAAAAAAAAIQAAABgAAAAUAAAAwAMAAK8BAAA/RwAAuggAABAAAAAmAAAACAAAAD0gAAAAAAAA"/>
+                <pr:smNativeData xmlns:mc="http://schemas.openxmlformats.org/markup-compatibility/2006" xmlns:p14="http://schemas.microsoft.com/office/powerpoint/2010/main" xmlns:p15="http://schemas.microsoft.com/office/powerpoint/2012/main" xmlns:pr="smNativeData" xmlns="smNativeData" val="SMDATA_15_q5OGZBMAAAAlAAAAZAAAAA0AAAAAAAAAAAAAAAAAAAAAAAAAAAAAAAABAAAAAAAAAAEAAABQAAAAAAAAAAAA4D8AAAAAAADgPwAAAAAAAOA/AAAAAAAA4D8AAAAAAADgPwAAAAAAAOA/AAAAAAAA4D8AAAAAAADgPwAAAAAAAOA/AAAAAAAA4D8CAAAAjAAAAAAAAAAAAAAARHLEDP///wgAAAAAAAAAAAAAAAAAAAAAAAAAAAAAAAAAAAAAZAAAAAEAAABAAAAAAAAAAAAAAAAAAAAAAAAAAAAAAAAAAAAAAAAAAAAAAAAAAAAAAAAAAAAAAAAAAAAAAAAAAAAAAAAAAAAAAAAAAAAAAAAAAAAAAAAAAAAAAAAAAAAAFAAAADwAAAAAAAAAAAAAAAAAAAkUAAAAAQAAABQAAAAUAAAAFAAAAAEAAAAAAAAAZAAAAGQAAAAAAAAAZAAAAGQAAAAVAAAAYAAAAAAAAAAAAAAADwAAACADAAAAAAAAAAAAAAEAAACgMgAAVgcAAKr4//8BAAAAf39/AAEAAABkAAAAAAAAABQAAABAHwAAAAAAACYAAAAAAAAAwOD//wAAAAAmAAAAZAAAABYAAABMAAAAAAAAAAAAAAAEAAAAAAAAAAEAAADn5uYKAAAAACgAAAAoAAAAZAAAAGQAAAAAAAAAzMzMAAAAAABQAAAAUAAAAGQAAABkAAAAAAAAABcAAAAUAAAAAAAAAAAAAAD/fwAA/38AAAAAAAAJAAAABAAAAAAAAAAeAAAAaAAAAAAAAAAAAAAAAAAAAAAAAAAAAAAAECcAABAnAAAAAAAAAAAAAAAAAAAAAAAAAAAAAAAAAAAAAAAAAAAAABQAAAAAAAAAwMD/AAAAAABkAAAAMgAAAAAAAABkAAAAAAAAAH9/fwAKAAAAIgAAABgAAAAAAAAAAAAAAAAAAAAAAAAAAAAAAAAAAAAkAAAAJAAAAAAAAAAHAAAAAAAAAAAAAAAAAAAAAAAAAAAAAAAAAAAAf39/ACUAAABYAAAAAAAAAAAAAAAAAAAAAAAAAAAAAAAAAAAAAAAAAAAAAAAAAAAAAAAAAAAAAAA/AAAAAAAAAKCGAQAAAAAAAAAAAAAAAAAMAAAAAQAAAAAAAAAAAAAAAAAAAB8AAABUAAAAAAAABQAAAAEAAAAAAAAAAAAAAAAAAAAAAAAAAAAAAAAAAAAAAAAAAAAAAAJ/f38AAAAAA8zMzADAwP8Af39/AAAAAAAAAAAAAAAAAAAAAAAAAAAAIQAAABgAAAAUAAAAwAMAAK8BAAA/RwAAuggAABAAAAAmAAAACAAAAD0gAAAAAAAA"/>
               </a:ext>
             </a:extLst>
           </p:cNvSpPr>
@@ -4454,7 +4457,7 @@
             <a:spLocks noGrp="1" noChangeArrowheads="1"/>
             <a:extLst>
               <a:ext uri="smNativeData">
-                <pr:smNativeData xmlns="smNativeData" xmlns:pr="smNativeData" xmlns:p15="http://schemas.microsoft.com/office/powerpoint/2012/main" xmlns:p14="http://schemas.microsoft.com/office/powerpoint/2010/main" xmlns:mc="http://schemas.openxmlformats.org/markup-compatibility/2006" val="SMDATA_15_q5OGZBMAAAAlAAAAZAAAAA0AAAAAAAAAAAAAAAAAAAAAAAAAAAAAAAAAAAAAAAAAAAEAAABQAAAAAAAAAAAA4D8AAAAAAADgPwAAAAAAAOA/AAAAAAAA4D8AAAAAAADgPwAAAAAAAOA/AAAAAAAA4D8AAAAAAADgPwAAAAAAAOA/AAAAAAAA4D8CAAAAjAAAAAAAAAAAAAAARHLEDP///wgAAAAAAAAAAAAAAAAAAAAAAAAAAAAAAAAAAAAAZAAAAAEAAABAAAAAAAAAAAAAAAAAAAAAAAAAAAAAAAAAAAAAAAAAAAAAAAAAAAAAAAAAAAAAAAAAAAAAAAAAAAAAAAAAAAAAAAAAAAAAAAAAAAAAAAAAAAAAAAAAAAAAFAAAADwAAAAAAAAAAAAAAAAAAAkUAAAAAQAAABQAAAAUAAAAFAAAAAEAAAAAAAAAZAAAAGQAAAAAAAAAZAAAAGQAAAAVAAAAYAAAAAAAAAAAAAAADwAAACADAAAAAAAAAAAAAAEAAACgMgAAVgcAAKr4//8BAAAAf39/AAEAAABkAAAAAAAAABQAAABAHwAAAAAAACYAAAAAAAAAwOD//wAAAAAmAAAAZAAAABYAAABMAAAAAAAAAAAAAAAEAAAAAAAAAAEAAADn5uYKAAAAACgAAAAoAAAAZAAAAGQAAAAAAAAAzMzMAAAAAABQAAAAUAAAAGQAAABkAAAAAAAAABcAAAAUAAAAAAAAAAAAAAD/fwAA/38AAAAAAAAJAAAABAAAAAAAAAAeAAAAaAAAAAAAAAAAAAAAAAAAAAAAAAAAAAAAECcAABAnAAAAAAAAAAAAAAAAAAAAAAAAAAAAAAAAAAAAAAAAAAAAABQAAAAAAAAAwMD/AAAAAABkAAAAMgAAAAAAAABkAAAAAAAAAH9/fwAKAAAAIgAAABgAAAAAAAAAAAAAAAAAAAAAAAAAAAAAAAAAAAAkAAAAJAAAAAAAAAAHAAAAAAAAAAAAAAAAAAAAAAAAAAAAAAAAAAAAf39/ACUAAABYAAAAAAAAAAAAAAAAAAAAAAAAAAAAAAAAAAAAAAAAAAAAAAAAAAAAAAAAAAAAAAA/AAAAAAAAAKCGAQAAAAAAAAAAAAAAAAAMAAAAAQAAAAAAAAAAAAAAAAAAAB8AAABUAAAAAAAABQAAAAEAAAAAAAAAAAAAAAAAAAAAAAAAAAAAAAAAAAAAAAAAAAAAAAJ/f38AAAAAA8zMzADAwP8Af39/AAAAAAAAAAAAAAAAAAAAAAAAAAAAIQAAABgAAAAUAAAAwAMAAN8JAACwJAAAViIAABAAAAAmAAAACAAAAD0gAAAAAAAA"/>
+                <pr:smNativeData xmlns:mc="http://schemas.openxmlformats.org/markup-compatibility/2006" xmlns:p14="http://schemas.microsoft.com/office/powerpoint/2010/main" xmlns:p15="http://schemas.microsoft.com/office/powerpoint/2012/main" xmlns:pr="smNativeData" xmlns="smNativeData" val="SMDATA_15_q5OGZBMAAAAlAAAAZAAAAA0AAAAAAAAAAAAAAAAAAAAAAAAAAAAAAAAAAAAAAAAAAAEAAABQAAAAAAAAAAAA4D8AAAAAAADgPwAAAAAAAOA/AAAAAAAA4D8AAAAAAADgPwAAAAAAAOA/AAAAAAAA4D8AAAAAAADgPwAAAAAAAOA/AAAAAAAA4D8CAAAAjAAAAAAAAAAAAAAARHLEDP///wgAAAAAAAAAAAAAAAAAAAAAAAAAAAAAAAAAAAAAZAAAAAEAAABAAAAAAAAAAAAAAAAAAAAAAAAAAAAAAAAAAAAAAAAAAAAAAAAAAAAAAAAAAAAAAAAAAAAAAAAAAAAAAAAAAAAAAAAAAAAAAAAAAAAAAAAAAAAAAAAAAAAAFAAAADwAAAAAAAAAAAAAAAAAAAkUAAAAAQAAABQAAAAUAAAAFAAAAAEAAAAAAAAAZAAAAGQAAAAAAAAAZAAAAGQAAAAVAAAAYAAAAAAAAAAAAAAADwAAACADAAAAAAAAAAAAAAEAAACgMgAAVgcAAKr4//8BAAAAf39/AAEAAABkAAAAAAAAABQAAABAHwAAAAAAACYAAAAAAAAAwOD//wAAAAAmAAAAZAAAABYAAABMAAAAAAAAAAAAAAAEAAAAAAAAAAEAAADn5uYKAAAAACgAAAAoAAAAZAAAAGQAAAAAAAAAzMzMAAAAAABQAAAAUAAAAGQAAABkAAAAAAAAABcAAAAUAAAAAAAAAAAAAAD/fwAA/38AAAAAAAAJAAAABAAAAAAAAAAeAAAAaAAAAAAAAAAAAAAAAAAAAAAAAAAAAAAAECcAABAnAAAAAAAAAAAAAAAAAAAAAAAAAAAAAAAAAAAAAAAAAAAAABQAAAAAAAAAwMD/AAAAAABkAAAAMgAAAAAAAABkAAAAAAAAAH9/fwAKAAAAIgAAABgAAAAAAAAAAAAAAAAAAAAAAAAAAAAAAAAAAAAkAAAAJAAAAAAAAAAHAAAAAAAAAAAAAAAAAAAAAAAAAAAAAAAAAAAAf39/ACUAAABYAAAAAAAAAAAAAAAAAAAAAAAAAAAAAAAAAAAAAAAAAAAAAAAAAAAAAAAAAAAAAAA/AAAAAAAAAKCGAQAAAAAAAAAAAAAAAAAMAAAAAQAAAAAAAAAAAAAAAAAAAB8AAABUAAAAAAAABQAAAAEAAAAAAAAAAAAAAAAAAAAAAAAAAAAAAAAAAAAAAAAAAAAAAAJ/f38AAAAAA8zMzADAwP8Af39/AAAAAAAAAAAAAAAAAAAAAAAAAAAAIQAAABgAAAAUAAAAwAMAAN8JAACwJAAAViIAABAAAAAmAAAACAAAAD0gAAAAAAAA"/>
               </a:ext>
             </a:extLst>
           </p:cNvSpPr>
@@ -4490,7 +4493,7 @@
             <a:spLocks noGrp="1" noChangeArrowheads="1"/>
             <a:extLst>
               <a:ext uri="smNativeData">
-                <pr:smNativeData xmlns="smNativeData" xmlns:pr="smNativeData" xmlns:p15="http://schemas.microsoft.com/office/powerpoint/2012/main" xmlns:p14="http://schemas.microsoft.com/office/powerpoint/2010/main" xmlns:mc="http://schemas.openxmlformats.org/markup-compatibility/2006" val="SMDATA_15_q5OGZBMAAAAlAAAAZAAAAA0AAAAAAAAAAAAAAAAAAAAAAAAAAAAAAAAAAAAAAAAAAAEAAABQAAAAAAAAAAAA4D8AAAAAAADgPwAAAAAAAOA/AAAAAAAA4D8AAAAAAADgPwAAAAAAAOA/AAAAAAAA4D8AAAAAAADgPwAAAAAAAOA/AAAAAAAA4D8CAAAAjAAAAAAAAAAAAAAARHLEDP///wgAAAAAAAAAAAAAAAAAAAAAAAAAAAAAAAAAAAAAZAAAAAEAAABAAAAAAAAAAAAAAAAAAAAAAAAAAAAAAAAAAAAAAAAAAAAAAAAAAAAAAAAAAAAAAAAAAAAAAAAAAAAAAAAAAAAAAAAAAAAAAAAAAAAAAAAAAAAAAAAAAAAAFAAAADwAAAAAAAAAAAAAAAAAAAkUAAAAAQAAABQAAAAUAAAAFAAAAAEAAAAAAAAAZAAAAGQAAAAAAAAAZAAAAGQAAAAVAAAAYAAAAAAAAAAAAAAADwAAACADAAAAAAAAAAAAAAEAAACgMgAAVgcAAKr4//8BAAAAf39/AAEAAABkAAAAAAAAABQAAABAHwAAAAAAACYAAAAAAAAAwOD//wAAAAAmAAAAZAAAABYAAABMAAAAAAAAAAAAAAAEAAAAAAAAAAEAAADn5uYKAAAAACgAAAAoAAAAZAAAAGQAAAAAAAAAzMzMAAAAAABQAAAAUAAAAGQAAABkAAAAAAAAABcAAAAUAAAAAAAAAAAAAAD/fwAA/38AAAAAAAAJAAAABAAAAAAAAAAeAAAAaAAAAAAAAAAAAAAAAAAAAAAAAAAAAAAAECcAABAnAAAAAAAAAAAAAAAAAAAAAAAAAAAAAAAAAAAAAAAAAAAAABQAAAAAAAAAwMD/AAAAAABkAAAAMgAAAAAAAABkAAAAAAAAAH9/fwAKAAAAIgAAABgAAAAAAAAAAAAAAAAAAAAAAAAAAAAAAAAAAAAkAAAAJAAAAAAAAAAHAAAAAAAAAAAAAAAAAAAAAAAAAAAAAAAAAAAAf39/ACUAAABYAAAAAAAAAAAAAAAAAAAAAAAAAAAAAAAAAAAAAAAAAAAAAAAAAAAAAAAAAAAAAAA/AAAAAAAAAKCGAQAAAAAAAAAAAAAAAAAMAAAAAQAAAAAAAAAAAAAAAAAAAB8AAABUAAAAAAAABQAAAAEAAAAAAAAAAAAAAAAAAAAAAAAAAAAAAAAAAAAAAAAAAAAAAAJ/f38AAAAAA8zMzADAwP8Af39/AAAAAAAAAAAAAAAAAAAAAAAAAAAAIQAAABgAAAAUAAAAViYAAN8JAABGRwAAViIAABAAAAAmAAAACAAAAD0gAAAAAAAA"/>
+                <pr:smNativeData xmlns:mc="http://schemas.openxmlformats.org/markup-compatibility/2006" xmlns:p14="http://schemas.microsoft.com/office/powerpoint/2010/main" xmlns:p15="http://schemas.microsoft.com/office/powerpoint/2012/main" xmlns:pr="smNativeData" xmlns="smNativeData" val="SMDATA_15_q5OGZBMAAAAlAAAAZAAAAA0AAAAAAAAAAAAAAAAAAAAAAAAAAAAAAAAAAAAAAAAAAAEAAABQAAAAAAAAAAAA4D8AAAAAAADgPwAAAAAAAOA/AAAAAAAA4D8AAAAAAADgPwAAAAAAAOA/AAAAAAAA4D8AAAAAAADgPwAAAAAAAOA/AAAAAAAA4D8CAAAAjAAAAAAAAAAAAAAARHLEDP///wgAAAAAAAAAAAAAAAAAAAAAAAAAAAAAAAAAAAAAZAAAAAEAAABAAAAAAAAAAAAAAAAAAAAAAAAAAAAAAAAAAAAAAAAAAAAAAAAAAAAAAAAAAAAAAAAAAAAAAAAAAAAAAAAAAAAAAAAAAAAAAAAAAAAAAAAAAAAAAAAAAAAAFAAAADwAAAAAAAAAAAAAAAAAAAkUAAAAAQAAABQAAAAUAAAAFAAAAAEAAAAAAAAAZAAAAGQAAAAAAAAAZAAAAGQAAAAVAAAAYAAAAAAAAAAAAAAADwAAACADAAAAAAAAAAAAAAEAAACgMgAAVgcAAKr4//8BAAAAf39/AAEAAABkAAAAAAAAABQAAABAHwAAAAAAACYAAAAAAAAAwOD//wAAAAAmAAAAZAAAABYAAABMAAAAAAAAAAAAAAAEAAAAAAAAAAEAAADn5uYKAAAAACgAAAAoAAAAZAAAAGQAAAAAAAAAzMzMAAAAAABQAAAAUAAAAGQAAABkAAAAAAAAABcAAAAUAAAAAAAAAAAAAAD/fwAA/38AAAAAAAAJAAAABAAAAAAAAAAeAAAAaAAAAAAAAAAAAAAAAAAAAAAAAAAAAAAAECcAABAnAAAAAAAAAAAAAAAAAAAAAAAAAAAAAAAAAAAAAAAAAAAAABQAAAAAAAAAwMD/AAAAAABkAAAAMgAAAAAAAABkAAAAAAAAAH9/fwAKAAAAIgAAABgAAAAAAAAAAAAAAAAAAAAAAAAAAAAAAAAAAAAkAAAAJAAAAAAAAAAHAAAAAAAAAAAAAAAAAAAAAAAAAAAAAAAAAAAAf39/ACUAAABYAAAAAAAAAAAAAAAAAAAAAAAAAAAAAAAAAAAAAAAAAAAAAAAAAAAAAAAAAAAAAAA/AAAAAAAAAKCGAQAAAAAAAAAAAAAAAAAMAAAAAQAAAAAAAAAAAAAAAAAAAB8AAABUAAAAAAAABQAAAAEAAAAAAAAAAAAAAAAAAAAAAAAAAAAAAAAAAAAAAAAAAAAAAAJ/f38AAAAAA8zMzADAwP8Af39/AAAAAAAAAAAAAAAAAAAAAAAAAAAAIQAAABgAAAAUAAAAViYAAN8JAABGRwAAViIAABAAAAAmAAAACAAAAD0gAAAAAAAA"/>
               </a:ext>
             </a:extLst>
           </p:cNvSpPr>
@@ -4551,7 +4554,7 @@
             <a:spLocks noGrp="1" noChangeArrowheads="1"/>
             <a:extLst>
               <a:ext uri="smNativeData">
-                <pr:smNativeData xmlns="smNativeData" xmlns:pr="smNativeData" xmlns:p15="http://schemas.microsoft.com/office/powerpoint/2012/main" xmlns:p14="http://schemas.microsoft.com/office/powerpoint/2010/main" xmlns:mc="http://schemas.openxmlformats.org/markup-compatibility/2006" val="SMDATA_15_q5OGZBMAAAAlAAAAZAAAAA0AAAAAAAAAAAAAAAAAAAAAAAAAAAAAAAABAAAAAAAAAAEAAABQAAAAAAAAAAAA4D8AAAAAAADgPwAAAAAAAOA/AAAAAAAA4D8AAAAAAADgPwAAAAAAAOA/AAAAAAAA4D8AAAAAAADgPwAAAAAAAOA/AAAAAAAA4D8CAAAAjAAAAAAAAAAAAAAARHLEDP///wgAAAAAAAAAAAAAAAAAAAAAAAAAAAAAAAAAAAAAZAAAAAEAAABAAAAAAAAAAAAAAAAAAAAAAAAAAAAAAAAAAAAAAAAAAAAAAAAAAAAAAAAAAAAAAAAAAAAAAAAAAAAAAAAAAAAAAAAAAAAAAAAAAAAAAAAAAAAAAAAAAAAAFAAAADwAAAAAAAAAAAAAAAAAAAkUAAAAAQAAABQAAAAUAAAAFAAAAAEAAAAAAAAAZAAAAGQAAAAAAAAAZAAAAGQAAAAVAAAAYAAAAAAAAAAAAAAADwAAACADAAAAAAAAAAAAAAEAAACgMgAAVgcAAKr4//8BAAAAf39/AAEAAABkAAAAAAAAABQAAABAHwAAAAAAACYAAAAAAAAAwOD//wAAAAAmAAAAZAAAABYAAABMAAAAAAAAAAAAAAAEAAAAAAAAAAEAAADn5uYKAAAAACgAAAAoAAAAZAAAAGQAAAAAAAAAzMzMAAAAAABQAAAAUAAAAGQAAABkAAAAAAAAABcAAAAUAAAAAAAAAAAAAAD/fwAA/38AAAAAAAAJAAAABAAAAAAAAAAeAAAAaAAAAAAAAAAAAAAAAAAAAAAAAAAAAAAAECcAABAnAAAAAAAAAAAAAAAAAAAAAAAAAAAAAAAAAAAAAAAAAAAAABQAAAAAAAAAwMD/AAAAAABkAAAAMgAAAAAAAABkAAAAAAAAAH9/fwAKAAAAIgAAABgAAAAAAAAAAAAAAAAAAAAAAAAAAAAAAAAAAAAkAAAAJAAAAAAAAAAHAAAAAAAAAAAAAAAAAAAAAAAAAAAAAAAAAAAAf39/ACUAAABYAAAAAAAAAAAAAAAAAAAAAAAAAAAAAAAAAAAAAAAAAAAAAAAAAAAAAAAAAAAAAAA/AAAAAAAAAKCGAQAAAAAAAAAAAAAAAAAMAAAAAQAAAAAAAAAAAAAAAAAAAB8AAABUAAAAAAAABQAAAAEAAAAAAAAAAAAAAAAAAAAAAAAAAAAAAAAAAAAAAAAAAAAAAAJ/f38AAAAAA8zMzADAwP8Af39/AAAAAAAAAAAAAAAAAAAAAAAAAAAAIQAAABgAAAAUAAAAwAMAAK8BAAA/RwAAuggAABAAAAAmAAAACAAAADwgAAAAAAAA"/>
+                <pr:smNativeData xmlns:mc="http://schemas.openxmlformats.org/markup-compatibility/2006" xmlns:p14="http://schemas.microsoft.com/office/powerpoint/2010/main" xmlns:p15="http://schemas.microsoft.com/office/powerpoint/2012/main" xmlns:pr="smNativeData" xmlns="smNativeData" val="SMDATA_15_q5OGZBMAAAAlAAAAZAAAAA0AAAAAAAAAAAAAAAAAAAAAAAAAAAAAAAABAAAAAAAAAAEAAABQAAAAAAAAAAAA4D8AAAAAAADgPwAAAAAAAOA/AAAAAAAA4D8AAAAAAADgPwAAAAAAAOA/AAAAAAAA4D8AAAAAAADgPwAAAAAAAOA/AAAAAAAA4D8CAAAAjAAAAAAAAAAAAAAARHLEDP///wgAAAAAAAAAAAAAAAAAAAAAAAAAAAAAAAAAAAAAZAAAAAEAAABAAAAAAAAAAAAAAAAAAAAAAAAAAAAAAAAAAAAAAAAAAAAAAAAAAAAAAAAAAAAAAAAAAAAAAAAAAAAAAAAAAAAAAAAAAAAAAAAAAAAAAAAAAAAAAAAAAAAAFAAAADwAAAAAAAAAAAAAAAAAAAkUAAAAAQAAABQAAAAUAAAAFAAAAAEAAAAAAAAAZAAAAGQAAAAAAAAAZAAAAGQAAAAVAAAAYAAAAAAAAAAAAAAADwAAACADAAAAAAAAAAAAAAEAAACgMgAAVgcAAKr4//8BAAAAf39/AAEAAABkAAAAAAAAABQAAABAHwAAAAAAACYAAAAAAAAAwOD//wAAAAAmAAAAZAAAABYAAABMAAAAAAAAAAAAAAAEAAAAAAAAAAEAAADn5uYKAAAAACgAAAAoAAAAZAAAAGQAAAAAAAAAzMzMAAAAAABQAAAAUAAAAGQAAABkAAAAAAAAABcAAAAUAAAAAAAAAAAAAAD/fwAA/38AAAAAAAAJAAAABAAAAAAAAAAeAAAAaAAAAAAAAAAAAAAAAAAAAAAAAAAAAAAAECcAABAnAAAAAAAAAAAAAAAAAAAAAAAAAAAAAAAAAAAAAAAAAAAAABQAAAAAAAAAwMD/AAAAAABkAAAAMgAAAAAAAABkAAAAAAAAAH9/fwAKAAAAIgAAABgAAAAAAAAAAAAAAAAAAAAAAAAAAAAAAAAAAAAkAAAAJAAAAAAAAAAHAAAAAAAAAAAAAAAAAAAAAAAAAAAAAAAAAAAAf39/ACUAAABYAAAAAAAAAAAAAAAAAAAAAAAAAAAAAAAAAAAAAAAAAAAAAAAAAAAAAAAAAAAAAAA/AAAAAAAAAKCGAQAAAAAAAAAAAAAAAAAMAAAAAQAAAAAAAAAAAAAAAAAAAB8AAABUAAAAAAAABQAAAAEAAAAAAAAAAAAAAAAAAAAAAAAAAAAAAAAAAAAAAAAAAAAAAAJ/f38AAAAAA8zMzADAwP8Af39/AAAAAAAAAAAAAAAAAAAAAAAAAAAAIQAAABgAAAAUAAAAwAMAAK8BAAA/RwAAuggAABAAAAAmAAAACAAAADwgAAAAAAAA"/>
               </a:ext>
             </a:extLst>
           </p:cNvSpPr>
@@ -4582,7 +4585,7 @@
             <a:spLocks noGrp="1" noChangeArrowheads="1"/>
             <a:extLst>
               <a:ext uri="smNativeData">
-                <pr:smNativeData xmlns="smNativeData" xmlns:pr="smNativeData" xmlns:p15="http://schemas.microsoft.com/office/powerpoint/2012/main" xmlns:p14="http://schemas.microsoft.com/office/powerpoint/2010/main" xmlns:mc="http://schemas.openxmlformats.org/markup-compatibility/2006" val="SMDATA_15_q5OGZBMAAAAlAAAAZAAAAA0AAAAAAAAAAAAAAAAAAAAAAAAAAAAAAAAAAAAAAAAAAAEAAABQAAAAAAAAAAAA4D8AAAAAAADgPwAAAAAAAOA/AAAAAAAA4D8AAAAAAADgPwAAAAAAAOA/AAAAAAAA4D8AAAAAAADgPwAAAAAAAOA/AAAAAAAA4D8CAAAAjAAAAAAAAAAAAAAARHLEDP///wgAAAAAAAAAAAAAAAAAAAAAAAAAAAAAAAAAAAAAZAAAAAEAAABAAAAAAAAAAAAAAAAAAAAAAAAAAAAAAAAAAAAAAAAAAAAAAAAAAAAAAAAAAAAAAAAAAAAAAAAAAAAAAAAAAAAAAAAAAAAAAAAAAAAAAAAAAAAAAAAAAAAAFAAAADwAAAAAAAAAAAAAAAAAAAkUAAAAAQAAABQAAAAUAAAAFAAAAAEAAAAAAAAAZAAAAGQAAAAAAAAAZAAAAGQAAAAVAAAAYAAAAAAAAAAAAAAADwAAACADAAAAAAAAAAAAAAEAAACgMgAAVgcAAKr4//8BAAAAf39/AAEAAABkAAAAAAAAABQAAABAHwAAAAAAACYAAAAAAAAAwOD//wAAAAAmAAAAZAAAABYAAABMAAAAAAAAAAAAAAAEAAAAAAAAAAEAAADn5uYKAAAAACgAAAAoAAAAZAAAAGQAAAAAAAAAzMzMAAAAAABQAAAAUAAAAGQAAABkAAAAAAAAABcAAAAUAAAAAAAAAAAAAAD/fwAA/38AAAAAAAAJAAAABAAAAAAAAAAeAAAAaAAAAAAAAAAAAAAAAAAAAAAAAAAAAAAAECcAABAnAAAAAAAAAAAAAAAAAAAAAAAAAAAAAAAAAAAAAAAAAAAAABQAAAAAAAAAwMD/AAAAAABkAAAAMgAAAAAAAABkAAAAAAAAAH9/fwAKAAAAIgAAABgAAAAAAAAAAAAAAAAAAAAAAAAAAAAAAAAAAAAkAAAAJAAAAAAAAAAHAAAAAAAAAAAAAAAAAAAAAAAAAAAAAAAAAAAAf39/ACUAAABYAAAAAAAAAAAAAAAAAAAAAAAAAAAAAAAAAAAAAAAAAAAAAAAAAAAAAAAAAAAAAAA/AAAAAAAAAKCGAQAAAAAAAAAAAAAAAAAMAAAAAQAAAAAAAAAAAAAAAAAAAB8AAABUAAAAAAAABQAAAAEAAAAAAAAAAAAAAAAAAAAAAAAAAAAAAAAAAAAAAAAAAAAAAAJ/f38AAAAAA8zMzADAwP8Af39/AAAAAAAAAAAAAAAAAAAAAAAAAAAAIQAAABgAAAAUAAAAwAMAAN8JAACwJAAAViIAABAAAAAmAAAACAAAAD0gAAAAAAAA"/>
+                <pr:smNativeData xmlns:mc="http://schemas.openxmlformats.org/markup-compatibility/2006" xmlns:p14="http://schemas.microsoft.com/office/powerpoint/2010/main" xmlns:p15="http://schemas.microsoft.com/office/powerpoint/2012/main" xmlns:pr="smNativeData" xmlns="smNativeData" val="SMDATA_15_q5OGZBMAAAAlAAAAZAAAAA0AAAAAAAAAAAAAAAAAAAAAAAAAAAAAAAAAAAAAAAAAAAEAAABQAAAAAAAAAAAA4D8AAAAAAADgPwAAAAAAAOA/AAAAAAAA4D8AAAAAAADgPwAAAAAAAOA/AAAAAAAA4D8AAAAAAADgPwAAAAAAAOA/AAAAAAAA4D8CAAAAjAAAAAAAAAAAAAAARHLEDP///wgAAAAAAAAAAAAAAAAAAAAAAAAAAAAAAAAAAAAAZAAAAAEAAABAAAAAAAAAAAAAAAAAAAAAAAAAAAAAAAAAAAAAAAAAAAAAAAAAAAAAAAAAAAAAAAAAAAAAAAAAAAAAAAAAAAAAAAAAAAAAAAAAAAAAAAAAAAAAAAAAAAAAFAAAADwAAAAAAAAAAAAAAAAAAAkUAAAAAQAAABQAAAAUAAAAFAAAAAEAAAAAAAAAZAAAAGQAAAAAAAAAZAAAAGQAAAAVAAAAYAAAAAAAAAAAAAAADwAAACADAAAAAAAAAAAAAAEAAACgMgAAVgcAAKr4//8BAAAAf39/AAEAAABkAAAAAAAAABQAAABAHwAAAAAAACYAAAAAAAAAwOD//wAAAAAmAAAAZAAAABYAAABMAAAAAAAAAAAAAAAEAAAAAAAAAAEAAADn5uYKAAAAACgAAAAoAAAAZAAAAGQAAAAAAAAAzMzMAAAAAABQAAAAUAAAAGQAAABkAAAAAAAAABcAAAAUAAAAAAAAAAAAAAD/fwAA/38AAAAAAAAJAAAABAAAAAAAAAAeAAAAaAAAAAAAAAAAAAAAAAAAAAAAAAAAAAAAECcAABAnAAAAAAAAAAAAAAAAAAAAAAAAAAAAAAAAAAAAAAAAAAAAABQAAAAAAAAAwMD/AAAAAABkAAAAMgAAAAAAAABkAAAAAAAAAH9/fwAKAAAAIgAAABgAAAAAAAAAAAAAAAAAAAAAAAAAAAAAAAAAAAAkAAAAJAAAAAAAAAAHAAAAAAAAAAAAAAAAAAAAAAAAAAAAAAAAAAAAf39/ACUAAABYAAAAAAAAAAAAAAAAAAAAAAAAAAAAAAAAAAAAAAAAAAAAAAAAAAAAAAAAAAAAAAA/AAAAAAAAAKCGAQAAAAAAAAAAAAAAAAAMAAAAAQAAAAAAAAAAAAAAAAAAAB8AAABUAAAAAAAABQAAAAEAAAAAAAAAAAAAAAAAAAAAAAAAAAAAAAAAAAAAAAAAAAAAAAJ/f38AAAAAA8zMzADAwP8Af39/AAAAAAAAAAAAAAAAAAAAAAAAAAAAIQAAABgAAAAUAAAAwAMAAN8JAACwJAAAViIAABAAAAAmAAAACAAAAD0gAAAAAAAA"/>
               </a:ext>
             </a:extLst>
           </p:cNvSpPr>
@@ -4618,7 +4621,7 @@
             <a:spLocks noGrp="1" noChangeArrowheads="1"/>
             <a:extLst>
               <a:ext uri="smNativeData">
-                <pr:smNativeData xmlns="smNativeData" xmlns:pr="smNativeData" xmlns:p15="http://schemas.microsoft.com/office/powerpoint/2012/main" xmlns:p14="http://schemas.microsoft.com/office/powerpoint/2010/main" xmlns:mc="http://schemas.openxmlformats.org/markup-compatibility/2006" val="SMDATA_15_q5OGZBMAAAAlAAAAZAAAAA0AAAAAAAAAAAAAAAAAAAAAAAAAAAAAAAAAAAAAAAAAAAEAAABQAAAAAAAAAAAA4D8AAAAAAADgPwAAAAAAAOA/AAAAAAAA4D8AAAAAAADgPwAAAAAAAOA/AAAAAAAA4D8AAAAAAADgPwAAAAAAAOA/AAAAAAAA4D8CAAAAjAAAAAAAAAAAAAAARHLEDP///wgAAAAAAAAAAAAAAAAAAAAAAAAAAAAAAAAAAAAAZAAAAAEAAABAAAAAAAAAAAAAAAAAAAAAAAAAAAAAAAAAAAAAAAAAAAAAAAAAAAAAAAAAAAAAAAAAAAAAAAAAAAAAAAAAAAAAAAAAAAAAAAAAAAAAAAAAAAAAAAAAAAAAFAAAADwAAAAAAAAAAAAAAAAAAAkUAAAAAQAAABQAAAAUAAAAFAAAAAEAAAAAAAAAZAAAAGQAAAAAAAAAZAAAAGQAAAAVAAAAYAAAAAAAAAAAAAAADwAAACADAAAAAAAAAAAAAAEAAACgMgAAVgcAAKr4//8BAAAAf39/AAEAAABkAAAAAAAAABQAAABAHwAAAAAAACYAAAAAAAAAwOD//wAAAAAmAAAAZAAAABYAAABMAAAAAAAAAAAAAAAEAAAAAAAAAAEAAADn5uYKAAAAACgAAAAoAAAAZAAAAGQAAAAAAAAAzMzMAAAAAABQAAAAUAAAAGQAAABkAAAAAAAAABcAAAAUAAAAAAAAAAAAAAD/fwAA/38AAAAAAAAJAAAABAAAAAAAAAAeAAAAaAAAAAAAAAAAAAAAAAAAAAAAAAAAAAAAECcAABAnAAAAAAAAAAAAAAAAAAAAAAAAAAAAAAAAAAAAAAAAAAAAABQAAAAAAAAAwMD/AAAAAABkAAAAMgAAAAAAAABkAAAAAAAAAH9/fwAKAAAAIgAAABgAAAAAAAAAAAAAAAAAAAAAAAAAAAAAAAAAAAAkAAAAJAAAAAAAAAAHAAAAAAAAAAAAAAAAAAAAAAAAAAAAAAAAAAAAf39/ACUAAABYAAAAAAAAAAAAAAAAAAAAAAAAAAAAAAAAAAAAAAAAAAAAAAAAAAAAAAAAAAAAAAA/AAAAAAAAAKCGAQAAAAAAAAAAAAAAAAAMAAAAAQAAAAAAAAAAAAAAAAAAAB8AAABUAAAAAAAABQAAAAEAAAAAAAAAAAAAAAAAAAAAAAAAAAAAAAAAAAAAAAAAAAAAAAJ/f38AAAAAA8zMzADAwP8Af39/AAAAAAAAAAAAAAAAAAAAAAAAAAAAIQAAABgAAAAUAAAAViYAAN8JAABGRwAAViIAABAAAAAmAAAACAAAAD0gAAAAAAAA"/>
+                <pr:smNativeData xmlns:mc="http://schemas.openxmlformats.org/markup-compatibility/2006" xmlns:p14="http://schemas.microsoft.com/office/powerpoint/2010/main" xmlns:p15="http://schemas.microsoft.com/office/powerpoint/2012/main" xmlns:pr="smNativeData" xmlns="smNativeData" val="SMDATA_15_q5OGZBMAAAAlAAAAZAAAAA0AAAAAAAAAAAAAAAAAAAAAAAAAAAAAAAAAAAAAAAAAAAEAAABQAAAAAAAAAAAA4D8AAAAAAADgPwAAAAAAAOA/AAAAAAAA4D8AAAAAAADgPwAAAAAAAOA/AAAAAAAA4D8AAAAAAADgPwAAAAAAAOA/AAAAAAAA4D8CAAAAjAAAAAAAAAAAAAAARHLEDP///wgAAAAAAAAAAAAAAAAAAAAAAAAAAAAAAAAAAAAAZAAAAAEAAABAAAAAAAAAAAAAAAAAAAAAAAAAAAAAAAAAAAAAAAAAAAAAAAAAAAAAAAAAAAAAAAAAAAAAAAAAAAAAAAAAAAAAAAAAAAAAAAAAAAAAAAAAAAAAAAAAAAAAFAAAADwAAAAAAAAAAAAAAAAAAAkUAAAAAQAAABQAAAAUAAAAFAAAAAEAAAAAAAAAZAAAAGQAAAAAAAAAZAAAAGQAAAAVAAAAYAAAAAAAAAAAAAAADwAAACADAAAAAAAAAAAAAAEAAACgMgAAVgcAAKr4//8BAAAAf39/AAEAAABkAAAAAAAAABQAAABAHwAAAAAAACYAAAAAAAAAwOD//wAAAAAmAAAAZAAAABYAAABMAAAAAAAAAAAAAAAEAAAAAAAAAAEAAADn5uYKAAAAACgAAAAoAAAAZAAAAGQAAAAAAAAAzMzMAAAAAABQAAAAUAAAAGQAAABkAAAAAAAAABcAAAAUAAAAAAAAAAAAAAD/fwAA/38AAAAAAAAJAAAABAAAAAAAAAAeAAAAaAAAAAAAAAAAAAAAAAAAAAAAAAAAAAAAECcAABAnAAAAAAAAAAAAAAAAAAAAAAAAAAAAAAAAAAAAAAAAAAAAABQAAAAAAAAAwMD/AAAAAABkAAAAMgAAAAAAAABkAAAAAAAAAH9/fwAKAAAAIgAAABgAAAAAAAAAAAAAAAAAAAAAAAAAAAAAAAAAAAAkAAAAJAAAAAAAAAAHAAAAAAAAAAAAAAAAAAAAAAAAAAAAAAAAAAAAf39/ACUAAABYAAAAAAAAAAAAAAAAAAAAAAAAAAAAAAAAAAAAAAAAAAAAAAAAAAAAAAAAAAAAAAA/AAAAAAAAAKCGAQAAAAAAAAAAAAAAAAAMAAAAAQAAAAAAAAAAAAAAAAAAAB8AAABUAAAAAAAABQAAAAEAAAAAAAAAAAAAAAAAAAAAAAAAAAAAAAAAAAAAAAAAAAAAAAJ/f38AAAAAA8zMzADAwP8Af39/AAAAAAAAAAAAAAAAAAAAAAAAAAAAIQAAABgAAAAUAAAAViYAAN8JAABGRwAAViIAABAAAAAmAAAACAAAAD0gAAAAAAAA"/>
               </a:ext>
             </a:extLst>
           </p:cNvSpPr>
@@ -4679,7 +4682,7 @@
             <a:spLocks noGrp="1" noChangeArrowheads="1"/>
             <a:extLst>
               <a:ext uri="smNativeData">
-                <pr:smNativeData xmlns="smNativeData" xmlns:pr="smNativeData" xmlns:p15="http://schemas.microsoft.com/office/powerpoint/2012/main" xmlns:p14="http://schemas.microsoft.com/office/powerpoint/2010/main" xmlns:mc="http://schemas.openxmlformats.org/markup-compatibility/2006" val="SMDATA_15_q5OGZBMAAAAlAAAAZAAAAA0AAAAAAAAAAAAAAAAAAAAAAAAAAAAAAAABAAAAAAAAAAEAAABQAAAAAAAAAAAA4D8AAAAAAADgPwAAAAAAAOA/AAAAAAAA4D8AAAAAAADgPwAAAAAAAOA/AAAAAAAA4D8AAAAAAADgPwAAAAAAAOA/AAAAAAAA4D8CAAAAjAAAAAAAAAAAAAAARHLEDP///wgAAAAAAAAAAAAAAAAAAAAAAAAAAAAAAAAAAAAAZAAAAAEAAABAAAAAAAAAAAAAAAAAAAAAAAAAAAAAAAAAAAAAAAAAAAAAAAAAAAAAAAAAAAAAAAAAAAAAAAAAAAAAAAAAAAAAAAAAAAAAAAAAAAAAAAAAAAAAAAAAAAAAFAAAADwAAAAAAAAAAAAAAAAAAAkUAAAAAQAAABQAAAAUAAAAFAAAAAEAAAAAAAAAZAAAAGQAAAAAAAAAZAAAAGQAAAAVAAAAYAAAAAAAAAAAAAAADwAAACADAAAAAAAAAAAAAAEAAACgMgAAVgcAAKr4//8BAAAAf39/AAEAAABkAAAAAAAAABQAAABAHwAAAAAAACYAAAAAAAAAwOD//wAAAAAmAAAAZAAAABYAAABMAAAAAAAAAAAAAAAEAAAAAAAAAAEAAADn5uYKAAAAACgAAAAoAAAAZAAAAGQAAAAAAAAAzMzMAAAAAABQAAAAUAAAAGQAAABkAAAAAAAAABcAAAAUAAAAAAAAAAAAAAD/fwAA/38AAAAAAAAJAAAABAAAAAAAAAAeAAAAaAAAAAAAAAAAAAAAAAAAAAAAAAAAAAAAECcAABAnAAAAAAAAAAAAAAAAAAAAAAAAAAAAAAAAAAAAAAAAAAAAABQAAAAAAAAAwMD/AAAAAABkAAAAMgAAAAAAAABkAAAAAAAAAH9/fwAKAAAAIgAAABgAAAAAAAAAAAAAAAAAAAAAAAAAAAAAAAAAAAAkAAAAJAAAAAAAAAAHAAAAAAAAAAAAAAAAAAAAAAAAAAAAAAAAAAAAf39/ACUAAABYAAAAAAAAAAAAAAAAAAAAAAAAAAAAAAAAAAAAAAAAAAAAAAAAAAAAAAAAAAAAAAA/AAAAAAAAAKCGAQAAAAAAAAAAAAAAAAAMAAAAAQAAAAAAAAAAAAAAAAAAAB8AAABUAAAAAAAABQAAAAEAAAAAAAAAAAAAAAAAAAAAAAAAAAAAAAAAAAAAAAAAAAAAAAJ/f38AAAAAA8zMzADAwP8Af39/AAAAAAAAAAAAAAAAAAAAAAAAAAAAIQAAABgAAAAUAAAAwAMAAK8BAAA/RwAAuggAABAAAAAmAAAACAAAADwgAAAAAAAA"/>
+                <pr:smNativeData xmlns:mc="http://schemas.openxmlformats.org/markup-compatibility/2006" xmlns:p14="http://schemas.microsoft.com/office/powerpoint/2010/main" xmlns:p15="http://schemas.microsoft.com/office/powerpoint/2012/main" xmlns:pr="smNativeData" xmlns="smNativeData" val="SMDATA_15_q5OGZBMAAAAlAAAAZAAAAA0AAAAAAAAAAAAAAAAAAAAAAAAAAAAAAAABAAAAAAAAAAEAAABQAAAAAAAAAAAA4D8AAAAAAADgPwAAAAAAAOA/AAAAAAAA4D8AAAAAAADgPwAAAAAAAOA/AAAAAAAA4D8AAAAAAADgPwAAAAAAAOA/AAAAAAAA4D8CAAAAjAAAAAAAAAAAAAAARHLEDP///wgAAAAAAAAAAAAAAAAAAAAAAAAAAAAAAAAAAAAAZAAAAAEAAABAAAAAAAAAAAAAAAAAAAAAAAAAAAAAAAAAAAAAAAAAAAAAAAAAAAAAAAAAAAAAAAAAAAAAAAAAAAAAAAAAAAAAAAAAAAAAAAAAAAAAAAAAAAAAAAAAAAAAFAAAADwAAAAAAAAAAAAAAAAAAAkUAAAAAQAAABQAAAAUAAAAFAAAAAEAAAAAAAAAZAAAAGQAAAAAAAAAZAAAAGQAAAAVAAAAYAAAAAAAAAAAAAAADwAAACADAAAAAAAAAAAAAAEAAACgMgAAVgcAAKr4//8BAAAAf39/AAEAAABkAAAAAAAAABQAAABAHwAAAAAAACYAAAAAAAAAwOD//wAAAAAmAAAAZAAAABYAAABMAAAAAAAAAAAAAAAEAAAAAAAAAAEAAADn5uYKAAAAACgAAAAoAAAAZAAAAGQAAAAAAAAAzMzMAAAAAABQAAAAUAAAAGQAAABkAAAAAAAAABcAAAAUAAAAAAAAAAAAAAD/fwAA/38AAAAAAAAJAAAABAAAAAAAAAAeAAAAaAAAAAAAAAAAAAAAAAAAAAAAAAAAAAAAECcAABAnAAAAAAAAAAAAAAAAAAAAAAAAAAAAAAAAAAAAAAAAAAAAABQAAAAAAAAAwMD/AAAAAABkAAAAMgAAAAAAAABkAAAAAAAAAH9/fwAKAAAAIgAAABgAAAAAAAAAAAAAAAAAAAAAAAAAAAAAAAAAAAAkAAAAJAAAAAAAAAAHAAAAAAAAAAAAAAAAAAAAAAAAAAAAAAAAAAAAf39/ACUAAABYAAAAAAAAAAAAAAAAAAAAAAAAAAAAAAAAAAAAAAAAAAAAAAAAAAAAAAAAAAAAAAA/AAAAAAAAAKCGAQAAAAAAAAAAAAAAAAAMAAAAAQAAAAAAAAAAAAAAAAAAAB8AAABUAAAAAAAABQAAAAEAAAAAAAAAAAAAAAAAAAAAAAAAAAAAAAAAAAAAAAAAAAAAAAJ/f38AAAAAA8zMzADAwP8Af39/AAAAAAAAAAAAAAAAAAAAAAAAAAAAIQAAABgAAAAUAAAAwAMAAK8BAAA/RwAAuggAABAAAAAmAAAACAAAADwgAAAAAAAA"/>
               </a:ext>
             </a:extLst>
           </p:cNvSpPr>
@@ -4735,7 +4738,7 @@
             <a:spLocks noGrp="1" noChangeArrowheads="1"/>
             <a:extLst>
               <a:ext uri="smNativeData">
-                <pr:smNativeData xmlns="smNativeData" xmlns:pr="smNativeData" xmlns:p15="http://schemas.microsoft.com/office/powerpoint/2012/main" xmlns:p14="http://schemas.microsoft.com/office/powerpoint/2010/main" xmlns:mc="http://schemas.openxmlformats.org/markup-compatibility/2006" val="SMDATA_15_q5OGZBMAAAAlAAAAZAAAAA0AAAAAAAAAAAAAAAAAAAAAAAAAAAAAAAABAAAAAAAAAAEAAABQAAAAAAAAAAAA4D8AAAAAAADgPwAAAAAAAOA/AAAAAAAA4D8AAAAAAADgPwAAAAAAAOA/AAAAAAAA4D8AAAAAAADgPwAAAAAAAOA/AAAAAAAA4D8CAAAAjAAAAAAAAAAAAAAARHLEDP///wgAAAAAAAAAAAAAAAAAAAAAAAAAAAAAAAAAAAAAZAAAAAEAAABAAAAAAAAAAAAAAAAAAAAAAAAAAAAAAAAAAAAAAAAAAAAAAAAAAAAAAAAAAAAAAAAAAAAAAAAAAAAAAAAAAAAAAAAAAAAAAAAAAAAAAAAAAAAAAAAAAAAAFAAAADwAAAAAAAAAAAAAAAAAAAkUAAAAAQAAABQAAAAUAAAAFAAAAAEAAAAAAAAAZAAAAGQAAAAAAAAAZAAAAGQAAAAVAAAAYAAAAAAAAAAAAAAADwAAACADAAAAAAAAAAAAAAEAAACgMgAAVgcAAKr4//8BAAAAf39/AAEAAABkAAAAAAAAABQAAABAHwAAAAAAACYAAAAAAAAAwOD//wAAAAAmAAAAZAAAABYAAABMAAAAAAAAAAAAAAAEAAAAAAAAAAEAAADn5uYKAAAAACgAAAAoAAAAZAAAAGQAAAAAAAAAzMzMAAAAAABQAAAAUAAAAGQAAABkAAAAAAAAABcAAAAUAAAAAAAAAAAAAAD/fwAA/38AAAAAAAAJAAAABAAAAAAAAAAeAAAAaAAAAAAAAAAAAAAAAAAAAAAAAAAAAAAAECcAABAnAAAAAAAAAAAAAAAAAAAAAAAAAAAAAAAAAAAAAAAAAAAAABQAAAAAAAAAwMD/AAAAAABkAAAAMgAAAAAAAABkAAAAAAAAAH9/fwAKAAAAIgAAABgAAAAAAAAAAAAAAAAAAAAAAAAAAAAAAAAAAAAkAAAAJAAAAAAAAAAHAAAAAAAAAAAAAAAAAAAAAAAAAAAAAAAAAAAAf39/ACUAAABYAAAAAAAAAAAAAAAAAAAAAAAAAAAAAAAAAAAAAAAAAAAAAAAAAAAAAAAAAAAAAAA/AAAAAAAAAKCGAQAAAAAAAAAAAAAAAAAMAAAAAQAAAAAAAAAAAAAAAAAAAB8AAABUAAAAAAAABQAAAAEAAAAAAAAAAAAAAAAAAAAAAAAAAAAAAAAAAAAAAAAAAAAAAAJ/f38AAAAAA8zMzADAwP8Af39/AAAAAAAAAAAAAAAAAAAAAAAAAAAAIQAAABgAAAAUAAAAwAMAAK8BAAA/RwAAViIAABAAAAAmAAAACAAAAL0gAAAAAAAA"/>
+                <pr:smNativeData xmlns:mc="http://schemas.openxmlformats.org/markup-compatibility/2006" xmlns:p14="http://schemas.microsoft.com/office/powerpoint/2010/main" xmlns:p15="http://schemas.microsoft.com/office/powerpoint/2012/main" xmlns:pr="smNativeData" xmlns="smNativeData" val="SMDATA_15_q5OGZBMAAAAlAAAAZAAAAA0AAAAAAAAAAAAAAAAAAAAAAAAAAAAAAAABAAAAAAAAAAEAAABQAAAAAAAAAAAA4D8AAAAAAADgPwAAAAAAAOA/AAAAAAAA4D8AAAAAAADgPwAAAAAAAOA/AAAAAAAA4D8AAAAAAADgPwAAAAAAAOA/AAAAAAAA4D8CAAAAjAAAAAAAAAAAAAAARHLEDP///wgAAAAAAAAAAAAAAAAAAAAAAAAAAAAAAAAAAAAAZAAAAAEAAABAAAAAAAAAAAAAAAAAAAAAAAAAAAAAAAAAAAAAAAAAAAAAAAAAAAAAAAAAAAAAAAAAAAAAAAAAAAAAAAAAAAAAAAAAAAAAAAAAAAAAAAAAAAAAAAAAAAAAFAAAADwAAAAAAAAAAAAAAAAAAAkUAAAAAQAAABQAAAAUAAAAFAAAAAEAAAAAAAAAZAAAAGQAAAAAAAAAZAAAAGQAAAAVAAAAYAAAAAAAAAAAAAAADwAAACADAAAAAAAAAAAAAAEAAACgMgAAVgcAAKr4//8BAAAAf39/AAEAAABkAAAAAAAAABQAAABAHwAAAAAAACYAAAAAAAAAwOD//wAAAAAmAAAAZAAAABYAAABMAAAAAAAAAAAAAAAEAAAAAAAAAAEAAADn5uYKAAAAACgAAAAoAAAAZAAAAGQAAAAAAAAAzMzMAAAAAABQAAAAUAAAAGQAAABkAAAAAAAAABcAAAAUAAAAAAAAAAAAAAD/fwAA/38AAAAAAAAJAAAABAAAAAAAAAAeAAAAaAAAAAAAAAAAAAAAAAAAAAAAAAAAAAAAECcAABAnAAAAAAAAAAAAAAAAAAAAAAAAAAAAAAAAAAAAAAAAAAAAABQAAAAAAAAAwMD/AAAAAABkAAAAMgAAAAAAAABkAAAAAAAAAH9/fwAKAAAAIgAAABgAAAAAAAAAAAAAAAAAAAAAAAAAAAAAAAAAAAAkAAAAJAAAAAAAAAAHAAAAAAAAAAAAAAAAAAAAAAAAAAAAAAAAAAAAf39/ACUAAABYAAAAAAAAAAAAAAAAAAAAAAAAAAAAAAAAAAAAAAAAAAAAAAAAAAAAAAAAAAAAAAA/AAAAAAAAAKCGAQAAAAAAAAAAAAAAAAAMAAAAAQAAAAAAAAAAAAAAAAAAAB8AAABUAAAAAAAABQAAAAEAAAAAAAAAAAAAAAAAAAAAAAAAAAAAAAAAAAAAAAAAAAAAAAJ/f38AAAAAA8zMzADAwP8Af39/AAAAAAAAAAAAAAAAAAAAAAAAAAAAIQAAABgAAAAUAAAAwAMAAK8BAAA/RwAAViIAABAAAAAmAAAACAAAAL0gAAAAAAAA"/>
               </a:ext>
             </a:extLst>
           </p:cNvSpPr>
@@ -4796,7 +4799,7 @@
             <a:spLocks noGrp="1" noChangeArrowheads="1"/>
             <a:extLst>
               <a:ext uri="smNativeData">
-                <pr:smNativeData xmlns="smNativeData" xmlns:pr="smNativeData" xmlns:p15="http://schemas.microsoft.com/office/powerpoint/2012/main" xmlns:p14="http://schemas.microsoft.com/office/powerpoint/2010/main" xmlns:mc="http://schemas.openxmlformats.org/markup-compatibility/2006" val="SMDATA_15_q5OGZBMAAAAlAAAAZAAAAA0AAAAAAAAAAAAAAAAAAAAAAAAAAAAAAAABAAAAAAAAAAEAAABQAAAAAAAAAAAA4D8AAAAAAADgPwAAAAAAAOA/AAAAAAAA4D8AAAAAAADgPwAAAAAAAOA/AAAAAAAA4D8AAAAAAADgPwAAAAAAAOA/AAAAAAAA4D8CAAAAjAAAAAAAAAAAAAAARHLEDP///wgAAAAAAAAAAAAAAAAAAAAAAAAAAAAAAAAAAAAAZAAAAAEAAABAAAAAAAAAAAAAAAAAAAAAAAAAAAAAAAAAAAAAAAAAAAAAAAAAAAAAAAAAAAAAAAAAAAAAAAAAAAAAAAAAAAAAAAAAAAAAAAAAAAAAAAAAAAAAAAAAAAAAFAAAADwAAAAAAAAAAAAAAAAAAAkUAAAAAQAAABQAAAAUAAAAFAAAAAEAAAAAAAAAZAAAAGQAAAAAAAAAZAAAAGQAAAAVAAAAYAAAAAAAAAAAAAAADwAAACADAAAAAAAAAAAAAAEAAACgMgAAVgcAAKr4//8BAAAAf39/AAEAAABkAAAAAAAAABQAAABAHwAAAAAAACYAAAAAAAAAwOD//wAAAAAmAAAAZAAAABYAAABMAAAAAAAAAAAAAAAEAAAAAAAAAAEAAADn5uYKAAAAACgAAAAoAAAAZAAAAGQAAAAAAAAAzMzMAAAAAABQAAAAUAAAAGQAAABkAAAAAAAAABcAAAAUAAAAAAAAAAAAAAD/fwAA/38AAAAAAAAJAAAABAAAAAAAAAAeAAAAaAAAAAAAAAAAAAAAAAAAAAAAAAAAAAAAECcAABAnAAAAAAAAAAAAAAAAAAAAAAAAAAAAAAAAAAAAAAAAAAAAABQAAAAAAAAAwMD/AAAAAABkAAAAMgAAAAAAAABkAAAAAAAAAH9/fwAKAAAAIgAAABgAAAAAAAAAAAAAAAAAAAAAAAAAAAAAAAAAAAAkAAAAJAAAAAAAAAAHAAAAAAAAAAAAAAAAAAAAAAAAAAAAAAAAAAAAf39/ACUAAABYAAAAAAAAAAAAAAAAAAAAAAAAAAAAAAAAAAAAAAAAAAAAAAAAAAAAAAAAAAAAAAA/AAAAAAAAAKCGAQAAAAAAAAAAAAAAAAAMAAAAAQAAAAAAAAAAAAAAAAAAAB8AAABUAAAAAAAABQAAAAEAAAAAAAAAAAAAAAAAAAAAAAAAAAAAAAAAAAAAAAAAAAAAAAJ/f38AAAAAA8zMzADAwP8Af39/AAAAAAAAAAAAAAAAAAAAAAAAAAAAIQAAABgAAAAUAAAAwAMAAK8BAAA/RwAAuggAABAAAAAmAAAACAAAADwgAAAAAAAA"/>
+                <pr:smNativeData xmlns:mc="http://schemas.openxmlformats.org/markup-compatibility/2006" xmlns:p14="http://schemas.microsoft.com/office/powerpoint/2010/main" xmlns:p15="http://schemas.microsoft.com/office/powerpoint/2012/main" xmlns:pr="smNativeData" xmlns="smNativeData" val="SMDATA_15_q5OGZBMAAAAlAAAAZAAAAA0AAAAAAAAAAAAAAAAAAAAAAAAAAAAAAAABAAAAAAAAAAEAAABQAAAAAAAAAAAA4D8AAAAAAADgPwAAAAAAAOA/AAAAAAAA4D8AAAAAAADgPwAAAAAAAOA/AAAAAAAA4D8AAAAAAADgPwAAAAAAAOA/AAAAAAAA4D8CAAAAjAAAAAAAAAAAAAAARHLEDP///wgAAAAAAAAAAAAAAAAAAAAAAAAAAAAAAAAAAAAAZAAAAAEAAABAAAAAAAAAAAAAAAAAAAAAAAAAAAAAAAAAAAAAAAAAAAAAAAAAAAAAAAAAAAAAAAAAAAAAAAAAAAAAAAAAAAAAAAAAAAAAAAAAAAAAAAAAAAAAAAAAAAAAFAAAADwAAAAAAAAAAAAAAAAAAAkUAAAAAQAAABQAAAAUAAAAFAAAAAEAAAAAAAAAZAAAAGQAAAAAAAAAZAAAAGQAAAAVAAAAYAAAAAAAAAAAAAAADwAAACADAAAAAAAAAAAAAAEAAACgMgAAVgcAAKr4//8BAAAAf39/AAEAAABkAAAAAAAAABQAAABAHwAAAAAAACYAAAAAAAAAwOD//wAAAAAmAAAAZAAAABYAAABMAAAAAAAAAAAAAAAEAAAAAAAAAAEAAADn5uYKAAAAACgAAAAoAAAAZAAAAGQAAAAAAAAAzMzMAAAAAABQAAAAUAAAAGQAAABkAAAAAAAAABcAAAAUAAAAAAAAAAAAAAD/fwAA/38AAAAAAAAJAAAABAAAAAAAAAAeAAAAaAAAAAAAAAAAAAAAAAAAAAAAAAAAAAAAECcAABAnAAAAAAAAAAAAAAAAAAAAAAAAAAAAAAAAAAAAAAAAAAAAABQAAAAAAAAAwMD/AAAAAABkAAAAMgAAAAAAAABkAAAAAAAAAH9/fwAKAAAAIgAAABgAAAAAAAAAAAAAAAAAAAAAAAAAAAAAAAAAAAAkAAAAJAAAAAAAAAAHAAAAAAAAAAAAAAAAAAAAAAAAAAAAAAAAAAAAf39/ACUAAABYAAAAAAAAAAAAAAAAAAAAAAAAAAAAAAAAAAAAAAAAAAAAAAAAAAAAAAAAAAAAAAA/AAAAAAAAAKCGAQAAAAAAAAAAAAAAAAAMAAAAAQAAAAAAAAAAAAAAAAAAAB8AAABUAAAAAAAABQAAAAEAAAAAAAAAAAAAAAAAAAAAAAAAAAAAAAAAAAAAAAAAAAAAAAJ/f38AAAAAA8zMzADAwP8Af39/AAAAAAAAAAAAAAAAAAAAAAAAAAAAIQAAABgAAAAUAAAAwAMAAK8BAAA/RwAAuggAABAAAAAmAAAACAAAADwgAAAAAAAA"/>
               </a:ext>
             </a:extLst>
           </p:cNvSpPr>
@@ -4827,7 +4830,7 @@
             <a:spLocks noGrp="1" noChangeArrowheads="1"/>
             <a:extLst>
               <a:ext uri="smNativeData">
-                <pr:smNativeData xmlns="smNativeData" xmlns:pr="smNativeData" xmlns:p15="http://schemas.microsoft.com/office/powerpoint/2012/main" xmlns:p14="http://schemas.microsoft.com/office/powerpoint/2010/main" xmlns:mc="http://schemas.openxmlformats.org/markup-compatibility/2006" val="SMDATA_15_q5OGZBMAAAAlAAAAZAAAAA0AAAAAAAAAAAAAAAAAAAAAAAAAAAAAAAAAAAAAAAAAAAEAAABQAAAAAAAAAAAA4D8AAAAAAADgPwAAAAAAAOA/AAAAAAAA4D8AAAAAAADgPwAAAAAAAOA/AAAAAAAA4D8AAAAAAADgPwAAAAAAAOA/AAAAAAAA4D8CAAAAjAAAAAAAAAAAAAAARHLEDP///wgAAAAAAAAAAAAAAAAAAAAAAAAAAAAAAAAAAAAAZAAAAAEAAABAAAAAAAAAAAAAAAAAAAAAAAAAAAAAAAAAAAAAAAAAAAAAAAAAAAAAAAAAAAAAAAAAAAAAAAAAAAAAAAAAAAAAAAAAAAAAAAAAAAAAAAAAAAAAAAAAAAAAFAAAADwAAAAAAAAAAAAAAAAAAAkUAAAAAQAAABQAAAAUAAAAFAAAAAEAAAAAAAAAZAAAAGQAAAAAAAAAZAAAAGQAAAAVAAAAYAAAAAAAAAAAAAAADwAAACADAAAAAAAAAAAAAAEAAACgMgAAVgcAAKr4//8BAAAAf39/AAEAAABkAAAAAAAAABQAAABAHwAAAAAAACYAAAAAAAAAwOD//wAAAAAmAAAAZAAAABYAAABMAAAAAAAAAAAAAAAEAAAAAAAAAAEAAADn5uYKAAAAACgAAAAoAAAAZAAAAGQAAAAAAAAAzMzMAAAAAABQAAAAUAAAAGQAAABkAAAAAAAAABcAAAAUAAAAAAAAAAAAAAD/fwAA/38AAAAAAAAJAAAABAAAAAAAAAAeAAAAaAAAAAAAAAAAAAAAAAAAAAAAAAAAAAAAECcAABAnAAAAAAAAAAAAAAAAAAAAAAAAAAAAAAAAAAAAAAAAAAAAABQAAAAAAAAAwMD/AAAAAABkAAAAMgAAAAAAAABkAAAAAAAAAH9/fwAKAAAAIgAAABgAAAAAAAAAAAAAAAAAAAAAAAAAAAAAAAAAAAAkAAAAJAAAAAAAAAAHAAAAAAAAAAAAAAAAAAAAAAAAAAAAAAAAAAAAf39/ACUAAABYAAAAAAAAAAAAAAAAAAAAAAAAAAAAAAAAAAAAAAAAAAAAAAAAAAAAAAAAAAAAAAA/AAAAAAAAAKCGAQAAAAAAAAAAAAAAAAAMAAAAAQAAAAAAAAAAAAAAAAAAAB8AAABUAAAAAAAABQAAAAEAAAAAAAAAAAAAAAAAAAAAAAAAAAAAAAAAAAAAAAAAAAAAAAJ/f38AAAAAA8zMzADAwP8Af39/AAAAAAAAAAAAAAAAAAAAAAAAAAAAIQAAABgAAAAUAAAAwAMAAN8JAACwJAAAihUAABAAAAAmAAAACAAAAD0gAAAAAAAA"/>
+                <pr:smNativeData xmlns:mc="http://schemas.openxmlformats.org/markup-compatibility/2006" xmlns:p14="http://schemas.microsoft.com/office/powerpoint/2010/main" xmlns:p15="http://schemas.microsoft.com/office/powerpoint/2012/main" xmlns:pr="smNativeData" xmlns="smNativeData" val="SMDATA_15_q5OGZBMAAAAlAAAAZAAAAA0AAAAAAAAAAAAAAAAAAAAAAAAAAAAAAAAAAAAAAAAAAAEAAABQAAAAAAAAAAAA4D8AAAAAAADgPwAAAAAAAOA/AAAAAAAA4D8AAAAAAADgPwAAAAAAAOA/AAAAAAAA4D8AAAAAAADgPwAAAAAAAOA/AAAAAAAA4D8CAAAAjAAAAAAAAAAAAAAARHLEDP///wgAAAAAAAAAAAAAAAAAAAAAAAAAAAAAAAAAAAAAZAAAAAEAAABAAAAAAAAAAAAAAAAAAAAAAAAAAAAAAAAAAAAAAAAAAAAAAAAAAAAAAAAAAAAAAAAAAAAAAAAAAAAAAAAAAAAAAAAAAAAAAAAAAAAAAAAAAAAAAAAAAAAAFAAAADwAAAAAAAAAAAAAAAAAAAkUAAAAAQAAABQAAAAUAAAAFAAAAAEAAAAAAAAAZAAAAGQAAAAAAAAAZAAAAGQAAAAVAAAAYAAAAAAAAAAAAAAADwAAACADAAAAAAAAAAAAAAEAAACgMgAAVgcAAKr4//8BAAAAf39/AAEAAABkAAAAAAAAABQAAABAHwAAAAAAACYAAAAAAAAAwOD//wAAAAAmAAAAZAAAABYAAABMAAAAAAAAAAAAAAAEAAAAAAAAAAEAAADn5uYKAAAAACgAAAAoAAAAZAAAAGQAAAAAAAAAzMzMAAAAAABQAAAAUAAAAGQAAABkAAAAAAAAABcAAAAUAAAAAAAAAAAAAAD/fwAA/38AAAAAAAAJAAAABAAAAAAAAAAeAAAAaAAAAAAAAAAAAAAAAAAAAAAAAAAAAAAAECcAABAnAAAAAAAAAAAAAAAAAAAAAAAAAAAAAAAAAAAAAAAAAAAAABQAAAAAAAAAwMD/AAAAAABkAAAAMgAAAAAAAABkAAAAAAAAAH9/fwAKAAAAIgAAABgAAAAAAAAAAAAAAAAAAAAAAAAAAAAAAAAAAAAkAAAAJAAAAAAAAAAHAAAAAAAAAAAAAAAAAAAAAAAAAAAAAAAAAAAAf39/ACUAAABYAAAAAAAAAAAAAAAAAAAAAAAAAAAAAAAAAAAAAAAAAAAAAAAAAAAAAAAAAAAAAAA/AAAAAAAAAKCGAQAAAAAAAAAAAAAAAAAMAAAAAQAAAAAAAAAAAAAAAAAAAB8AAABUAAAAAAAABQAAAAEAAAAAAAAAAAAAAAAAAAAAAAAAAAAAAAAAAAAAAAAAAAAAAAJ/f38AAAAAA8zMzADAwP8Af39/AAAAAAAAAAAAAAAAAAAAAAAAAAAAIQAAABgAAAAUAAAAwAMAAN8JAACwJAAAihUAABAAAAAmAAAACAAAAD0gAAAAAAAA"/>
               </a:ext>
             </a:extLst>
           </p:cNvSpPr>
@@ -4863,7 +4866,7 @@
             <a:spLocks noGrp="1" noChangeArrowheads="1"/>
             <a:extLst>
               <a:ext uri="smNativeData">
-                <pr:smNativeData xmlns="smNativeData" xmlns:pr="smNativeData" xmlns:p15="http://schemas.microsoft.com/office/powerpoint/2012/main" xmlns:p14="http://schemas.microsoft.com/office/powerpoint/2010/main" xmlns:mc="http://schemas.openxmlformats.org/markup-compatibility/2006" val="SMDATA_15_q5OGZBMAAAAlAAAAZAAAAA0AAAAAAAAAAAAAAAAAAAAAAAAAAAAAAAAAAAAAAAAAAAEAAABQAAAAAAAAAAAA4D8AAAAAAADgPwAAAAAAAOA/AAAAAAAA4D8AAAAAAADgPwAAAAAAAOA/AAAAAAAA4D8AAAAAAADgPwAAAAAAAOA/AAAAAAAA4D8CAAAAjAAAAAAAAAAAAAAARHLEDP///wgAAAAAAAAAAAAAAAAAAAAAAAAAAAAAAAAAAAAAZAAAAAEAAABAAAAAAAAAAAAAAAAAAAAAAAAAAAAAAAAAAAAAAAAAAAAAAAAAAAAAAAAAAAAAAAAAAAAAAAAAAAAAAAAAAAAAAAAAAAAAAAAAAAAAAAAAAAAAAAAAAAAAFAAAADwAAAAAAAAAAAAAAAAAAAkUAAAAAQAAABQAAAAUAAAAFAAAAAEAAAAAAAAAZAAAAGQAAAAAAAAAZAAAAGQAAAAVAAAAYAAAAAAAAAAAAAAADwAAACADAAAAAAAAAAAAAAEAAACgMgAAVgcAAKr4//8BAAAAf39/AAEAAABkAAAAAAAAABQAAABAHwAAAAAAACYAAAAAAAAAwOD//wAAAAAmAAAAZAAAABYAAABMAAAAAAAAAAAAAAAEAAAAAAAAAAEAAADn5uYKAAAAACgAAAAoAAAAZAAAAGQAAAAAAAAAzMzMAAAAAABQAAAAUAAAAGQAAABkAAAAAAAAABcAAAAUAAAAAAAAAAAAAAD/fwAA/38AAAAAAAAJAAAABAAAAAAAAAAeAAAAaAAAAAAAAAAAAAAAAAAAAAAAAAAAAAAAECcAABAnAAAAAAAAAAAAAAAAAAAAAAAAAAAAAAAAAAAAAAAAAAAAABQAAAAAAAAAwMD/AAAAAABkAAAAMgAAAAAAAABkAAAAAAAAAH9/fwAKAAAAIgAAABgAAAAAAAAAAAAAAAAAAAAAAAAAAAAAAAAAAAAkAAAAJAAAAAAAAAAHAAAAAAAAAAAAAAAAAAAAAAAAAAAAAAAAAAAAf39/ACUAAABYAAAAAAAAAAAAAAAAAAAAAAAAAAAAAAAAAAAAAAAAAAAAAAAAAAAAAAAAAAAAAAA/AAAAAAAAAKCGAQAAAAAAAAAAAAAAAAAMAAAAAQAAAAAAAAAAAAAAAAAAAB8AAABUAAAAAAAABQAAAAEAAAAAAAAAAAAAAAAAAAAAAAAAAAAAAAAAAAAAAAAAAAAAAAJ/f38AAAAAA8zMzADAwP8Af39/AAAAAAAAAAAAAAAAAAAAAAAAAAAAIQAAABgAAAAUAAAAViYAAN8JAABGRwAAViIAABAAAAAmAAAACAAAAD0gAAAAAAAA"/>
+                <pr:smNativeData xmlns:mc="http://schemas.openxmlformats.org/markup-compatibility/2006" xmlns:p14="http://schemas.microsoft.com/office/powerpoint/2010/main" xmlns:p15="http://schemas.microsoft.com/office/powerpoint/2012/main" xmlns:pr="smNativeData" xmlns="smNativeData" val="SMDATA_15_q5OGZBMAAAAlAAAAZAAAAA0AAAAAAAAAAAAAAAAAAAAAAAAAAAAAAAAAAAAAAAAAAAEAAABQAAAAAAAAAAAA4D8AAAAAAADgPwAAAAAAAOA/AAAAAAAA4D8AAAAAAADgPwAAAAAAAOA/AAAAAAAA4D8AAAAAAADgPwAAAAAAAOA/AAAAAAAA4D8CAAAAjAAAAAAAAAAAAAAARHLEDP///wgAAAAAAAAAAAAAAAAAAAAAAAAAAAAAAAAAAAAAZAAAAAEAAABAAAAAAAAAAAAAAAAAAAAAAAAAAAAAAAAAAAAAAAAAAAAAAAAAAAAAAAAAAAAAAAAAAAAAAAAAAAAAAAAAAAAAAAAAAAAAAAAAAAAAAAAAAAAAAAAAAAAAFAAAADwAAAAAAAAAAAAAAAAAAAkUAAAAAQAAABQAAAAUAAAAFAAAAAEAAAAAAAAAZAAAAGQAAAAAAAAAZAAAAGQAAAAVAAAAYAAAAAAAAAAAAAAADwAAACADAAAAAAAAAAAAAAEAAACgMgAAVgcAAKr4//8BAAAAf39/AAEAAABkAAAAAAAAABQAAABAHwAAAAAAACYAAAAAAAAAwOD//wAAAAAmAAAAZAAAABYAAABMAAAAAAAAAAAAAAAEAAAAAAAAAAEAAADn5uYKAAAAACgAAAAoAAAAZAAAAGQAAAAAAAAAzMzMAAAAAABQAAAAUAAAAGQAAABkAAAAAAAAABcAAAAUAAAAAAAAAAAAAAD/fwAA/38AAAAAAAAJAAAABAAAAAAAAAAeAAAAaAAAAAAAAAAAAAAAAAAAAAAAAAAAAAAAECcAABAnAAAAAAAAAAAAAAAAAAAAAAAAAAAAAAAAAAAAAAAAAAAAABQAAAAAAAAAwMD/AAAAAABkAAAAMgAAAAAAAABkAAAAAAAAAH9/fwAKAAAAIgAAABgAAAAAAAAAAAAAAAAAAAAAAAAAAAAAAAAAAAAkAAAAJAAAAAAAAAAHAAAAAAAAAAAAAAAAAAAAAAAAAAAAAAAAAAAAf39/ACUAAABYAAAAAAAAAAAAAAAAAAAAAAAAAAAAAAAAAAAAAAAAAAAAAAAAAAAAAAAAAAAAAAA/AAAAAAAAAKCGAQAAAAAAAAAAAAAAAAAMAAAAAQAAAAAAAAAAAAAAAAAAAB8AAABUAAAAAAAABQAAAAEAAAAAAAAAAAAAAAAAAAAAAAAAAAAAAAAAAAAAAAAAAAAAAAJ/f38AAAAAA8zMzADAwP8Af39/AAAAAAAAAAAAAAAAAAAAAAAAAAAAIQAAABgAAAAUAAAAViYAAN8JAABGRwAAViIAABAAAAAmAAAACAAAAD0gAAAAAAAA"/>
               </a:ext>
             </a:extLst>
           </p:cNvSpPr>
@@ -4899,7 +4902,7 @@
             <a:spLocks noGrp="1" noChangeArrowheads="1"/>
             <a:extLst>
               <a:ext uri="smNativeData">
-                <pr:smNativeData xmlns="smNativeData" xmlns:pr="smNativeData" xmlns:p15="http://schemas.microsoft.com/office/powerpoint/2012/main" xmlns:p14="http://schemas.microsoft.com/office/powerpoint/2010/main" xmlns:mc="http://schemas.openxmlformats.org/markup-compatibility/2006" val="SMDATA_15_q5OGZBMAAAAlAAAAZAAAAA0AAAAAAAAAAAAAAAAAAAAAAAAAAAAAAAAAAAAAAAAAAAEAAABQAAAAAAAAAAAA4D8AAAAAAADgPwAAAAAAAOA/AAAAAAAA4D8AAAAAAADgPwAAAAAAAOA/AAAAAAAA4D8AAAAAAADgPwAAAAAAAOA/AAAAAAAA4D8CAAAAjAAAAAAAAAAAAAAARHLEDP///wgAAAAAAAAAAAAAAAAAAAAAAAAAAAAAAAAAAAAAZAAAAAEAAABAAAAAAAAAAAAAAAAAAAAAAAAAAAAAAAAAAAAAAAAAAAAAAAAAAAAAAAAAAAAAAAAAAAAAAAAAAAAAAAAAAAAAAAAAAAAAAAAAAAAAAAAAAAAAAAAAAAAAFAAAADwAAAAAAAAAAAAAAAAAAAkUAAAAAQAAABQAAAAUAAAAFAAAAAEAAAAAAAAAZAAAAGQAAAAAAAAAZAAAAGQAAAAVAAAAYAAAAAAAAAAAAAAADwAAACADAAAAAAAAAAAAAAEAAACgMgAAVgcAAKr4//8BAAAAf39/AAEAAABkAAAAAAAAABQAAABAHwAAAAAAACYAAAAAAAAAwOD//wAAAAAmAAAAZAAAABYAAABMAAAAAAAAAAAAAAAEAAAAAAAAAAEAAADn5uYKAAAAACgAAAAoAAAAZAAAAGQAAAAAAAAAzMzMAAAAAABQAAAAUAAAAGQAAABkAAAAAAAAABcAAAAUAAAAAAAAAAAAAAD/fwAA/38AAAAAAAAJAAAABAAAAAAAAAAeAAAAaAAAAAAAAAAAAAAAAAAAAAAAAAAAAAAAECcAABAnAAAAAAAAAAAAAAAAAAAAAAAAAAAAAAAAAAAAAAAAAAAAABQAAAAAAAAAwMD/AAAAAABkAAAAMgAAAAAAAABkAAAAAAAAAH9/fwAKAAAAIgAAABgAAAAAAAAAAAAAAAAAAAAAAAAAAAAAAAAAAAAkAAAAJAAAAAAAAAAHAAAAAAAAAAAAAAAAAAAAAAAAAAAAAAAAAAAAf39/ACUAAABYAAAAAAAAAAAAAAAAAAAAAAAAAAAAAAAAAAAAAAAAAAAAAAAAAAAAAAAAAAAAAAA/AAAAAAAAAKCGAQAAAAAAAAAAAAAAAAAMAAAAAQAAAAAAAAAAAAAAAAAAAB8AAABUAAAAAAAABQAAAAEAAAAAAAAAAAAAAAAAAAAAAAAAAAAAAAAAAAAAAAAAAAAAAAJ/f38AAAAAA8zMzADAwP8Af39/AAAAAAAAAAAAAAAAAAAAAAAAAAAAIQAAABgAAAAUAAAAwAMAAKcWAACwJAAAUiIAABAAAAAmAAAACAAAAD0gAAAAAAAA"/>
+                <pr:smNativeData xmlns:mc="http://schemas.openxmlformats.org/markup-compatibility/2006" xmlns:p14="http://schemas.microsoft.com/office/powerpoint/2010/main" xmlns:p15="http://schemas.microsoft.com/office/powerpoint/2012/main" xmlns:pr="smNativeData" xmlns="smNativeData" val="SMDATA_15_q5OGZBMAAAAlAAAAZAAAAA0AAAAAAAAAAAAAAAAAAAAAAAAAAAAAAAAAAAAAAAAAAAEAAABQAAAAAAAAAAAA4D8AAAAAAADgPwAAAAAAAOA/AAAAAAAA4D8AAAAAAADgPwAAAAAAAOA/AAAAAAAA4D8AAAAAAADgPwAAAAAAAOA/AAAAAAAA4D8CAAAAjAAAAAAAAAAAAAAARHLEDP///wgAAAAAAAAAAAAAAAAAAAAAAAAAAAAAAAAAAAAAZAAAAAEAAABAAAAAAAAAAAAAAAAAAAAAAAAAAAAAAAAAAAAAAAAAAAAAAAAAAAAAAAAAAAAAAAAAAAAAAAAAAAAAAAAAAAAAAAAAAAAAAAAAAAAAAAAAAAAAAAAAAAAAFAAAADwAAAAAAAAAAAAAAAAAAAkUAAAAAQAAABQAAAAUAAAAFAAAAAEAAAAAAAAAZAAAAGQAAAAAAAAAZAAAAGQAAAAVAAAAYAAAAAAAAAAAAAAADwAAACADAAAAAAAAAAAAAAEAAACgMgAAVgcAAKr4//8BAAAAf39/AAEAAABkAAAAAAAAABQAAABAHwAAAAAAACYAAAAAAAAAwOD//wAAAAAmAAAAZAAAABYAAABMAAAAAAAAAAAAAAAEAAAAAAAAAAEAAADn5uYKAAAAACgAAAAoAAAAZAAAAGQAAAAAAAAAzMzMAAAAAABQAAAAUAAAAGQAAABkAAAAAAAAABcAAAAUAAAAAAAAAAAAAAD/fwAA/38AAAAAAAAJAAAABAAAAAAAAAAeAAAAaAAAAAAAAAAAAAAAAAAAAAAAAAAAAAAAECcAABAnAAAAAAAAAAAAAAAAAAAAAAAAAAAAAAAAAAAAAAAAAAAAABQAAAAAAAAAwMD/AAAAAABkAAAAMgAAAAAAAABkAAAAAAAAAH9/fwAKAAAAIgAAABgAAAAAAAAAAAAAAAAAAAAAAAAAAAAAAAAAAAAkAAAAJAAAAAAAAAAHAAAAAAAAAAAAAAAAAAAAAAAAAAAAAAAAAAAAf39/ACUAAABYAAAAAAAAAAAAAAAAAAAAAAAAAAAAAAAAAAAAAAAAAAAAAAAAAAAAAAAAAAAAAAA/AAAAAAAAAKCGAQAAAAAAAAAAAAAAAAAMAAAAAQAAAAAAAAAAAAAAAAAAAB8AAABUAAAAAAAABQAAAAEAAAAAAAAAAAAAAAAAAAAAAAAAAAAAAAAAAAAAAAAAAAAAAAJ/f38AAAAAA8zMzADAwP8Af39/AAAAAAAAAAAAAAAAAAAAAAAAAAAAIQAAABgAAAAUAAAAwAMAAKcWAACwJAAAUiIAABAAAAAmAAAACAAAAD0gAAAAAAAA"/>
               </a:ext>
             </a:extLst>
           </p:cNvSpPr>
@@ -4960,7 +4963,7 @@
             <a:spLocks noGrp="1" noChangeArrowheads="1"/>
             <a:extLst>
               <a:ext uri="smNativeData">
-                <pr:smNativeData xmlns="smNativeData" xmlns:pr="smNativeData" xmlns:p15="http://schemas.microsoft.com/office/powerpoint/2012/main" xmlns:p14="http://schemas.microsoft.com/office/powerpoint/2010/main" xmlns:mc="http://schemas.openxmlformats.org/markup-compatibility/2006" val="SMDATA_15_q5OGZBMAAAAlAAAAZAAAAA0AAAAAAAAAAAAAAAAAAAAAAAAAAAAAAAABAAAAAAAAAAEAAABQAAAAAAAAAAAA4D8AAAAAAADgPwAAAAAAAOA/AAAAAAAA4D8AAAAAAADgPwAAAAAAAOA/AAAAAAAA4D8AAAAAAADgPwAAAAAAAOA/AAAAAAAA4D8CAAAAjAAAAAAAAAAAAAAARHLEDP///wgAAAAAAAAAAAAAAAAAAAAAAAAAAAAAAAAAAAAAZAAAAAEAAABAAAAAAAAAAAAAAAAAAAAAAAAAAAAAAAAAAAAAAAAAAAAAAAAAAAAAAAAAAAAAAAAAAAAAAAAAAAAAAAAAAAAAAAAAAAAAAAAAAAAAAAAAAAAAAAAAAAAAFAAAADwAAAAAAAAAAAAAAAAAAAkUAAAAAQAAABQAAAAUAAAAFAAAAAEAAAAAAAAAZAAAAGQAAAAAAAAAZAAAAGQAAAAVAAAAYAAAAAAAAAAAAAAADwAAACADAAAAAAAAAAAAAAEAAACgMgAAVgcAAKr4//8BAAAAf39/AAEAAABkAAAAAAAAABQAAABAHwAAAAAAACYAAAAAAAAAwOD//wAAAAAmAAAAZAAAABYAAABMAAAAAAAAAAAAAAAEAAAAAAAAAAEAAADn5uYKAAAAACgAAAAoAAAAZAAAAGQAAAAAAAAAzMzMAAAAAABQAAAAUAAAAGQAAABkAAAAAAAAABcAAAAUAAAAAAAAAAAAAAD/fwAA/38AAAAAAAAJAAAABAAAAAAAAAAeAAAAaAAAAAAAAAAAAAAAAAAAAAAAAAAAAAAAECcAABAnAAAAAAAAAAAAAAAAAAAAAAAAAAAAAAAAAAAAAAAAAAAAABQAAAAAAAAAwMD/AAAAAABkAAAAMgAAAAAAAABkAAAAAAAAAH9/fwAKAAAAIgAAABgAAAAAAAAAAAAAAAAAAAAAAAAAAAAAAAAAAAAkAAAAJAAAAAAAAAAHAAAAAAAAAAAAAAAAAAAAAAAAAAAAAAAAAAAAf39/ACUAAABYAAAAAAAAAAAAAAAAAAAAAAAAAAAAAAAAAAAAAAAAAAAAAAAAAAAAAAAAAAAAAAA/AAAAAAAAAKCGAQAAAAAAAAAAAAAAAAAMAAAAAQAAAAAAAAAAAAAAAAAAAB8AAABUAAAAAAAABQAAAAEAAAAAAAAAAAAAAAAAAAAAAAAAAAAAAAAAAAAAAAAAAAAAAAJ/f38AAAAAA8zMzADAwP8Af39/AAAAAAAAAAAAAAAAAAAAAAAAAAAAIQAAABgAAAAUAAAAwAMAAK8BAAA/RwAAuggAABAAAAAmAAAACAAAADwgAAAAAAAA"/>
+                <pr:smNativeData xmlns:mc="http://schemas.openxmlformats.org/markup-compatibility/2006" xmlns:p14="http://schemas.microsoft.com/office/powerpoint/2010/main" xmlns:p15="http://schemas.microsoft.com/office/powerpoint/2012/main" xmlns:pr="smNativeData" xmlns="smNativeData" val="SMDATA_15_q5OGZBMAAAAlAAAAZAAAAA0AAAAAAAAAAAAAAAAAAAAAAAAAAAAAAAABAAAAAAAAAAEAAABQAAAAAAAAAAAA4D8AAAAAAADgPwAAAAAAAOA/AAAAAAAA4D8AAAAAAADgPwAAAAAAAOA/AAAAAAAA4D8AAAAAAADgPwAAAAAAAOA/AAAAAAAA4D8CAAAAjAAAAAAAAAAAAAAARHLEDP///wgAAAAAAAAAAAAAAAAAAAAAAAAAAAAAAAAAAAAAZAAAAAEAAABAAAAAAAAAAAAAAAAAAAAAAAAAAAAAAAAAAAAAAAAAAAAAAAAAAAAAAAAAAAAAAAAAAAAAAAAAAAAAAAAAAAAAAAAAAAAAAAAAAAAAAAAAAAAAAAAAAAAAFAAAADwAAAAAAAAAAAAAAAAAAAkUAAAAAQAAABQAAAAUAAAAFAAAAAEAAAAAAAAAZAAAAGQAAAAAAAAAZAAAAGQAAAAVAAAAYAAAAAAAAAAAAAAADwAAACADAAAAAAAAAAAAAAEAAACgMgAAVgcAAKr4//8BAAAAf39/AAEAAABkAAAAAAAAABQAAABAHwAAAAAAACYAAAAAAAAAwOD//wAAAAAmAAAAZAAAABYAAABMAAAAAAAAAAAAAAAEAAAAAAAAAAEAAADn5uYKAAAAACgAAAAoAAAAZAAAAGQAAAAAAAAAzMzMAAAAAABQAAAAUAAAAGQAAABkAAAAAAAAABcAAAAUAAAAAAAAAAAAAAD/fwAA/38AAAAAAAAJAAAABAAAAAAAAAAeAAAAaAAAAAAAAAAAAAAAAAAAAAAAAAAAAAAAECcAABAnAAAAAAAAAAAAAAAAAAAAAAAAAAAAAAAAAAAAAAAAAAAAABQAAAAAAAAAwMD/AAAAAABkAAAAMgAAAAAAAABkAAAAAAAAAH9/fwAKAAAAIgAAABgAAAAAAAAAAAAAAAAAAAAAAAAAAAAAAAAAAAAkAAAAJAAAAAAAAAAHAAAAAAAAAAAAAAAAAAAAAAAAAAAAAAAAAAAAf39/ACUAAABYAAAAAAAAAAAAAAAAAAAAAAAAAAAAAAAAAAAAAAAAAAAAAAAAAAAAAAAAAAAAAAA/AAAAAAAAAKCGAQAAAAAAAAAAAAAAAAAMAAAAAQAAAAAAAAAAAAAAAAAAAB8AAABUAAAAAAAABQAAAAEAAAAAAAAAAAAAAAAAAAAAAAAAAAAAAAAAAAAAAAAAAAAAAAJ/f38AAAAAA8zMzADAwP8Af39/AAAAAAAAAAAAAAAAAAAAAAAAAAAAIQAAABgAAAAUAAAAwAMAAK8BAAA/RwAAuggAABAAAAAmAAAACAAAADwgAAAAAAAA"/>
               </a:ext>
             </a:extLst>
           </p:cNvSpPr>
@@ -4991,7 +4994,7 @@
             <a:spLocks noGrp="1" noChangeArrowheads="1"/>
             <a:extLst>
               <a:ext uri="smNativeData">
-                <pr:smNativeData xmlns="smNativeData" xmlns:pr="smNativeData" xmlns:p15="http://schemas.microsoft.com/office/powerpoint/2012/main" xmlns:p14="http://schemas.microsoft.com/office/powerpoint/2010/main" xmlns:mc="http://schemas.openxmlformats.org/markup-compatibility/2006" val="SMDATA_15_q5OGZBMAAAAlAAAAZAAAAA0AAAAAAAAAAAAAAAAAAAAAAAAAAAAAAAAAAAAAAAAAAAEAAABQAAAAAAAAAAAA4D8AAAAAAADgPwAAAAAAAOA/AAAAAAAA4D8AAAAAAADgPwAAAAAAAOA/AAAAAAAA4D8AAAAAAADgPwAAAAAAAOA/AAAAAAAA4D8CAAAAjAAAAAAAAAAAAAAARHLEDP///wgAAAAAAAAAAAAAAAAAAAAAAAAAAAAAAAAAAAAAZAAAAAEAAABAAAAAAAAAAAAAAAAAAAAAAAAAAAAAAAAAAAAAAAAAAAAAAAAAAAAAAAAAAAAAAAAAAAAAAAAAAAAAAAAAAAAAAAAAAAAAAAAAAAAAAAAAAAAAAAAAAAAAFAAAADwAAAAAAAAAAAAAAAAAAAkUAAAAAQAAABQAAAAUAAAAFAAAAAEAAAAAAAAAZAAAAGQAAAAAAAAAZAAAAGQAAAAVAAAAYAAAAAAAAAAAAAAADwAAACADAAAAAAAAAAAAAAEAAACgMgAAVgcAAKr4//8BAAAAf39/AAEAAABkAAAAAAAAABQAAABAHwAAAAAAACYAAAAAAAAAwOD//wAAAAAmAAAAZAAAABYAAABMAAAAAAAAAAAAAAAEAAAAAAAAAAEAAADn5uYKAAAAACgAAAAoAAAAZAAAAGQAAAAAAAAAzMzMAAAAAABQAAAAUAAAAGQAAABkAAAAAAAAABcAAAAUAAAAAAAAAAAAAAD/fwAA/38AAAAAAAAJAAAABAAAAAAAAAAeAAAAaAAAAAAAAAAAAAAAAAAAAAAAAAAAAAAAECcAABAnAAAAAAAAAAAAAAAAAAAAAAAAAAAAAAAAAAAAAAAAAAAAABQAAAAAAAAAwMD/AAAAAABkAAAAMgAAAAAAAABkAAAAAAAAAH9/fwAKAAAAIgAAABgAAAAAAAAAAAAAAAAAAAAAAAAAAAAAAAAAAAAkAAAAJAAAAAAAAAAHAAAAAAAAAAAAAAAAAAAAAAAAAAAAAAAAAAAAf39/ACUAAABYAAAAAAAAAAAAAAAAAAAAAAAAAAAAAAAAAAAAAAAAAAAAAAAAAAAAAAAAAAAAAAA/AAAAAAAAAKCGAQAAAAAAAAAAAAAAAAAMAAAAAQAAAAAAAAAAAAAAAAAAAB8AAABUAAAAAAAABQAAAAEAAAAAAAAAAAAAAAAAAAAAAAAAAAAAAAAAAAAAAAAAAAAAAAJ/f38AAAAAA8zMzADAwP8Af39/AAAAAAAAAAAAAAAAAAAAAAAAAAAAIQAAABgAAAAUAAAAwAMAAN8JAACwJAAAViIAABAAAAAmAAAACAAAAD0gAAAAAAAA"/>
+                <pr:smNativeData xmlns:mc="http://schemas.openxmlformats.org/markup-compatibility/2006" xmlns:p14="http://schemas.microsoft.com/office/powerpoint/2010/main" xmlns:p15="http://schemas.microsoft.com/office/powerpoint/2012/main" xmlns:pr="smNativeData" xmlns="smNativeData" val="SMDATA_15_q5OGZBMAAAAlAAAAZAAAAA0AAAAAAAAAAAAAAAAAAAAAAAAAAAAAAAAAAAAAAAAAAAEAAABQAAAAAAAAAAAA4D8AAAAAAADgPwAAAAAAAOA/AAAAAAAA4D8AAAAAAADgPwAAAAAAAOA/AAAAAAAA4D8AAAAAAADgPwAAAAAAAOA/AAAAAAAA4D8CAAAAjAAAAAAAAAAAAAAARHLEDP///wgAAAAAAAAAAAAAAAAAAAAAAAAAAAAAAAAAAAAAZAAAAAEAAABAAAAAAAAAAAAAAAAAAAAAAAAAAAAAAAAAAAAAAAAAAAAAAAAAAAAAAAAAAAAAAAAAAAAAAAAAAAAAAAAAAAAAAAAAAAAAAAAAAAAAAAAAAAAAAAAAAAAAFAAAADwAAAAAAAAAAAAAAAAAAAkUAAAAAQAAABQAAAAUAAAAFAAAAAEAAAAAAAAAZAAAAGQAAAAAAAAAZAAAAGQAAAAVAAAAYAAAAAAAAAAAAAAADwAAACADAAAAAAAAAAAAAAEAAACgMgAAVgcAAKr4//8BAAAAf39/AAEAAABkAAAAAAAAABQAAABAHwAAAAAAACYAAAAAAAAAwOD//wAAAAAmAAAAZAAAABYAAABMAAAAAAAAAAAAAAAEAAAAAAAAAAEAAADn5uYKAAAAACgAAAAoAAAAZAAAAGQAAAAAAAAAzMzMAAAAAABQAAAAUAAAAGQAAABkAAAAAAAAABcAAAAUAAAAAAAAAAAAAAD/fwAA/38AAAAAAAAJAAAABAAAAAAAAAAeAAAAaAAAAAAAAAAAAAAAAAAAAAAAAAAAAAAAECcAABAnAAAAAAAAAAAAAAAAAAAAAAAAAAAAAAAAAAAAAAAAAAAAABQAAAAAAAAAwMD/AAAAAABkAAAAMgAAAAAAAABkAAAAAAAAAH9/fwAKAAAAIgAAABgAAAAAAAAAAAAAAAAAAAAAAAAAAAAAAAAAAAAkAAAAJAAAAAAAAAAHAAAAAAAAAAAAAAAAAAAAAAAAAAAAAAAAAAAAf39/ACUAAABYAAAAAAAAAAAAAAAAAAAAAAAAAAAAAAAAAAAAAAAAAAAAAAAAAAAAAAAAAAAAAAA/AAAAAAAAAKCGAQAAAAAAAAAAAAAAAAAMAAAAAQAAAAAAAAAAAAAAAAAAAB8AAABUAAAAAAAABQAAAAEAAAAAAAAAAAAAAAAAAAAAAAAAAAAAAAAAAAAAAAAAAAAAAAJ/f38AAAAAA8zMzADAwP8Af39/AAAAAAAAAAAAAAAAAAAAAAAAAAAAIQAAABgAAAAUAAAAwAMAAN8JAACwJAAAViIAABAAAAAmAAAACAAAAD0gAAAAAAAA"/>
               </a:ext>
             </a:extLst>
           </p:cNvSpPr>
@@ -5027,7 +5030,7 @@
             <a:spLocks noGrp="1" noChangeArrowheads="1"/>
             <a:extLst>
               <a:ext uri="smNativeData">
-                <pr:smNativeData xmlns="smNativeData" xmlns:pr="smNativeData" xmlns:p15="http://schemas.microsoft.com/office/powerpoint/2012/main" xmlns:p14="http://schemas.microsoft.com/office/powerpoint/2010/main" xmlns:mc="http://schemas.openxmlformats.org/markup-compatibility/2006" val="SMDATA_15_q5OGZBMAAAAlAAAAZAAAAA0AAAAAAAAAAAAAAAAAAAAAAAAAAAAAAAAAAAAAAAAAAAEAAABQAAAAAAAAAAAA4D8AAAAAAADgPwAAAAAAAOA/AAAAAAAA4D8AAAAAAADgPwAAAAAAAOA/AAAAAAAA4D8AAAAAAADgPwAAAAAAAOA/AAAAAAAA4D8CAAAAjAAAAAAAAAAAAAAARHLEDP///wgAAAAAAAAAAAAAAAAAAAAAAAAAAAAAAAAAAAAAZAAAAAEAAABAAAAAAAAAAAAAAAAAAAAAAAAAAAAAAAAAAAAAAAAAAAAAAAAAAAAAAAAAAAAAAAAAAAAAAAAAAAAAAAAAAAAAAAAAAAAAAAAAAAAAAAAAAAAAAAAAAAAAFAAAADwAAAAAAAAAAAAAAAAAAAkUAAAAAQAAABQAAAAUAAAAFAAAAAEAAAAAAAAAZAAAAGQAAAAAAAAAZAAAAGQAAAAVAAAAYAAAAAAAAAAAAAAADwAAACADAAAAAAAAAAAAAAEAAACgMgAAVgcAAKr4//8BAAAAf39/AAEAAABkAAAAAAAAABQAAABAHwAAAAAAACYAAAAAAAAAwOD//wAAAAAmAAAAZAAAABYAAABMAAAAAAAAAAAAAAAEAAAAAAAAAAEAAADn5uYKAAAAACgAAAAoAAAAZAAAAGQAAAAAAAAAzMzMAAAAAABQAAAAUAAAAGQAAABkAAAAAAAAABcAAAAUAAAAAAAAAAAAAAD/fwAA/38AAAAAAAAJAAAABAAAAAAAAAAeAAAAaAAAAAAAAAAAAAAAAAAAAAAAAAAAAAAAECcAABAnAAAAAAAAAAAAAAAAAAAAAAAAAAAAAAAAAAAAAAAAAAAAABQAAAAAAAAAwMD/AAAAAABkAAAAMgAAAAAAAABkAAAAAAAAAH9/fwAKAAAAIgAAABgAAAAAAAAAAAAAAAAAAAAAAAAAAAAAAAAAAAAkAAAAJAAAAAAAAAAHAAAAAAAAAAAAAAAAAAAAAAAAAAAAAAAAAAAAf39/ACUAAABYAAAAAAAAAAAAAAAAAAAAAAAAAAAAAAAAAAAAAAAAAAAAAAAAAAAAAAAAAAAAAAA/AAAAAAAAAKCGAQAAAAAAAAAAAAAAAAAMAAAAAQAAAAAAAAAAAAAAAAAAAB8AAABUAAAAAAAABQAAAAEAAAAAAAAAAAAAAAAAAAAAAAAAAAAAAAAAAAAAAAAAAAAAAAJ/f38AAAAAA8zMzADAwP8Af39/AAAAAAAAAAAAAAAAAAAAAAAAAAAAIQAAABgAAAAUAAAAViYAAN8JAABGRwAAihUAABAAAAAmAAAACAAAAD0gAAAAAAAA"/>
+                <pr:smNativeData xmlns:mc="http://schemas.openxmlformats.org/markup-compatibility/2006" xmlns:p14="http://schemas.microsoft.com/office/powerpoint/2010/main" xmlns:p15="http://schemas.microsoft.com/office/powerpoint/2012/main" xmlns:pr="smNativeData" xmlns="smNativeData" val="SMDATA_15_q5OGZBMAAAAlAAAAZAAAAA0AAAAAAAAAAAAAAAAAAAAAAAAAAAAAAAAAAAAAAAAAAAEAAABQAAAAAAAAAAAA4D8AAAAAAADgPwAAAAAAAOA/AAAAAAAA4D8AAAAAAADgPwAAAAAAAOA/AAAAAAAA4D8AAAAAAADgPwAAAAAAAOA/AAAAAAAA4D8CAAAAjAAAAAAAAAAAAAAARHLEDP///wgAAAAAAAAAAAAAAAAAAAAAAAAAAAAAAAAAAAAAZAAAAAEAAABAAAAAAAAAAAAAAAAAAAAAAAAAAAAAAAAAAAAAAAAAAAAAAAAAAAAAAAAAAAAAAAAAAAAAAAAAAAAAAAAAAAAAAAAAAAAAAAAAAAAAAAAAAAAAAAAAAAAAFAAAADwAAAAAAAAAAAAAAAAAAAkUAAAAAQAAABQAAAAUAAAAFAAAAAEAAAAAAAAAZAAAAGQAAAAAAAAAZAAAAGQAAAAVAAAAYAAAAAAAAAAAAAAADwAAACADAAAAAAAAAAAAAAEAAACgMgAAVgcAAKr4//8BAAAAf39/AAEAAABkAAAAAAAAABQAAABAHwAAAAAAACYAAAAAAAAAwOD//wAAAAAmAAAAZAAAABYAAABMAAAAAAAAAAAAAAAEAAAAAAAAAAEAAADn5uYKAAAAACgAAAAoAAAAZAAAAGQAAAAAAAAAzMzMAAAAAABQAAAAUAAAAGQAAABkAAAAAAAAABcAAAAUAAAAAAAAAAAAAAD/fwAA/38AAAAAAAAJAAAABAAAAAAAAAAeAAAAaAAAAAAAAAAAAAAAAAAAAAAAAAAAAAAAECcAABAnAAAAAAAAAAAAAAAAAAAAAAAAAAAAAAAAAAAAAAAAAAAAABQAAAAAAAAAwMD/AAAAAABkAAAAMgAAAAAAAABkAAAAAAAAAH9/fwAKAAAAIgAAABgAAAAAAAAAAAAAAAAAAAAAAAAAAAAAAAAAAAAkAAAAJAAAAAAAAAAHAAAAAAAAAAAAAAAAAAAAAAAAAAAAAAAAAAAAf39/ACUAAABYAAAAAAAAAAAAAAAAAAAAAAAAAAAAAAAAAAAAAAAAAAAAAAAAAAAAAAAAAAAAAAA/AAAAAAAAAKCGAQAAAAAAAAAAAAAAAAAMAAAAAQAAAAAAAAAAAAAAAAAAAB8AAABUAAAAAAAABQAAAAEAAAAAAAAAAAAAAAAAAAAAAAAAAAAAAAAAAAAAAAAAAAAAAAJ/f38AAAAAA8zMzADAwP8Af39/AAAAAAAAAAAAAAAAAAAAAAAAAAAAIQAAABgAAAAUAAAAViYAAN8JAABGRwAAihUAABAAAAAmAAAACAAAAD0gAAAAAAAA"/>
               </a:ext>
             </a:extLst>
           </p:cNvSpPr>
@@ -5063,7 +5066,7 @@
             <a:spLocks noGrp="1" noChangeArrowheads="1"/>
             <a:extLst>
               <a:ext uri="smNativeData">
-                <pr:smNativeData xmlns="smNativeData" xmlns:pr="smNativeData" xmlns:p15="http://schemas.microsoft.com/office/powerpoint/2012/main" xmlns:p14="http://schemas.microsoft.com/office/powerpoint/2010/main" xmlns:mc="http://schemas.openxmlformats.org/markup-compatibility/2006" val="SMDATA_15_q5OGZBMAAAAlAAAAZAAAAA0AAAAAAAAAAAAAAAAAAAAAAAAAAAAAAAAAAAAAAAAAAAEAAABQAAAAAAAAAAAA4D8AAAAAAADgPwAAAAAAAOA/AAAAAAAA4D8AAAAAAADgPwAAAAAAAOA/AAAAAAAA4D8AAAAAAADgPwAAAAAAAOA/AAAAAAAA4D8CAAAAjAAAAAAAAAAAAAAARHLEDP///wgAAAAAAAAAAAAAAAAAAAAAAAAAAAAAAAAAAAAAZAAAAAEAAABAAAAAAAAAAAAAAAAAAAAAAAAAAAAAAAAAAAAAAAAAAAAAAAAAAAAAAAAAAAAAAAAAAAAAAAAAAAAAAAAAAAAAAAAAAAAAAAAAAAAAAAAAAAAAAAAAAAAAFAAAADwAAAAAAAAAAAAAAAAAAAkUAAAAAQAAABQAAAAUAAAAFAAAAAEAAAAAAAAAZAAAAGQAAAAAAAAAZAAAAGQAAAAVAAAAYAAAAAAAAAAAAAAADwAAACADAAAAAAAAAAAAAAEAAACgMgAAVgcAAKr4//8BAAAAf39/AAEAAABkAAAAAAAAABQAAABAHwAAAAAAACYAAAAAAAAAwOD//wAAAAAmAAAAZAAAABYAAABMAAAAAAAAAAAAAAAEAAAAAAAAAAEAAADn5uYKAAAAACgAAAAoAAAAZAAAAGQAAAAAAAAAzMzMAAAAAABQAAAAUAAAAGQAAABkAAAAAAAAABcAAAAUAAAAAAAAAAAAAAD/fwAA/38AAAAAAAAJAAAABAAAAAAAAAAeAAAAaAAAAAAAAAAAAAAAAAAAAAAAAAAAAAAAECcAABAnAAAAAAAAAAAAAAAAAAAAAAAAAAAAAAAAAAAAAAAAAAAAABQAAAAAAAAAwMD/AAAAAABkAAAAMgAAAAAAAABkAAAAAAAAAH9/fwAKAAAAIgAAABgAAAAAAAAAAAAAAAAAAAAAAAAAAAAAAAAAAAAkAAAAJAAAAAAAAAAHAAAAAAAAAAAAAAAAAAAAAAAAAAAAAAAAAAAAf39/ACUAAABYAAAAAAAAAAAAAAAAAAAAAAAAAAAAAAAAAAAAAAAAAAAAAAAAAAAAAAAAAAAAAAA/AAAAAAAAAKCGAQAAAAAAAAAAAAAAAAAMAAAAAQAAAAAAAAAAAAAAAAAAAB8AAABUAAAAAAAABQAAAAEAAAAAAAAAAAAAAAAAAAAAAAAAAAAAAAAAAAAAAAAAAAAAAAJ/f38AAAAAA8zMzADAwP8Af39/AAAAAAAAAAAAAAAAAAAAAAAAAAAAIQAAABgAAAAUAAAAViYAAKcWAABGRwAAUiIAABAAAAAmAAAACAAAAD0gAAAAAAAA"/>
+                <pr:smNativeData xmlns:mc="http://schemas.openxmlformats.org/markup-compatibility/2006" xmlns:p14="http://schemas.microsoft.com/office/powerpoint/2010/main" xmlns:p15="http://schemas.microsoft.com/office/powerpoint/2012/main" xmlns:pr="smNativeData" xmlns="smNativeData" val="SMDATA_15_q5OGZBMAAAAlAAAAZAAAAA0AAAAAAAAAAAAAAAAAAAAAAAAAAAAAAAAAAAAAAAAAAAEAAABQAAAAAAAAAAAA4D8AAAAAAADgPwAAAAAAAOA/AAAAAAAA4D8AAAAAAADgPwAAAAAAAOA/AAAAAAAA4D8AAAAAAADgPwAAAAAAAOA/AAAAAAAA4D8CAAAAjAAAAAAAAAAAAAAARHLEDP///wgAAAAAAAAAAAAAAAAAAAAAAAAAAAAAAAAAAAAAZAAAAAEAAABAAAAAAAAAAAAAAAAAAAAAAAAAAAAAAAAAAAAAAAAAAAAAAAAAAAAAAAAAAAAAAAAAAAAAAAAAAAAAAAAAAAAAAAAAAAAAAAAAAAAAAAAAAAAAAAAAAAAAFAAAADwAAAAAAAAAAAAAAAAAAAkUAAAAAQAAABQAAAAUAAAAFAAAAAEAAAAAAAAAZAAAAGQAAAAAAAAAZAAAAGQAAAAVAAAAYAAAAAAAAAAAAAAADwAAACADAAAAAAAAAAAAAAEAAACgMgAAVgcAAKr4//8BAAAAf39/AAEAAABkAAAAAAAAABQAAABAHwAAAAAAACYAAAAAAAAAwOD//wAAAAAmAAAAZAAAABYAAABMAAAAAAAAAAAAAAAEAAAAAAAAAAEAAADn5uYKAAAAACgAAAAoAAAAZAAAAGQAAAAAAAAAzMzMAAAAAABQAAAAUAAAAGQAAABkAAAAAAAAABcAAAAUAAAAAAAAAAAAAAD/fwAA/38AAAAAAAAJAAAABAAAAAAAAAAeAAAAaAAAAAAAAAAAAAAAAAAAAAAAAAAAAAAAECcAABAnAAAAAAAAAAAAAAAAAAAAAAAAAAAAAAAAAAAAAAAAAAAAABQAAAAAAAAAwMD/AAAAAABkAAAAMgAAAAAAAABkAAAAAAAAAH9/fwAKAAAAIgAAABgAAAAAAAAAAAAAAAAAAAAAAAAAAAAAAAAAAAAkAAAAJAAAAAAAAAAHAAAAAAAAAAAAAAAAAAAAAAAAAAAAAAAAAAAAf39/ACUAAABYAAAAAAAAAAAAAAAAAAAAAAAAAAAAAAAAAAAAAAAAAAAAAAAAAAAAAAAAAAAAAAA/AAAAAAAAAKCGAQAAAAAAAAAAAAAAAAAMAAAAAQAAAAAAAAAAAAAAAAAAAB8AAABUAAAAAAAABQAAAAEAAAAAAAAAAAAAAAAAAAAAAAAAAAAAAAAAAAAAAAAAAAAAAAJ/f38AAAAAA8zMzADAwP8Af39/AAAAAAAAAAAAAAAAAAAAAAAAAAAAIQAAABgAAAAUAAAAViYAAKcWAABGRwAAUiIAABAAAAAmAAAACAAAAD0gAAAAAAAA"/>
               </a:ext>
             </a:extLst>
           </p:cNvSpPr>
@@ -5124,7 +5127,7 @@
             <a:spLocks noGrp="1" noChangeArrowheads="1"/>
             <a:extLst>
               <a:ext uri="smNativeData">
-                <pr:smNativeData xmlns="smNativeData" xmlns:pr="smNativeData" xmlns:p15="http://schemas.microsoft.com/office/powerpoint/2012/main" xmlns:p14="http://schemas.microsoft.com/office/powerpoint/2010/main" xmlns:mc="http://schemas.openxmlformats.org/markup-compatibility/2006" val="SMDATA_15_q5OGZBMAAAAlAAAAZAAAAA0AAAAAAAAAAAAAAAAAAAAAAAAAAAAAAAABAAAAAAAAAAEAAABQAAAAAAAAAAAA4D8AAAAAAADgPwAAAAAAAOA/AAAAAAAA4D8AAAAAAADgPwAAAAAAAOA/AAAAAAAA4D8AAAAAAADgPwAAAAAAAOA/AAAAAAAA4D8CAAAAjAAAAAAAAAAAAAAARHLEDP///wgAAAAAAAAAAAAAAAAAAAAAAAAAAAAAAAAAAAAAZAAAAAEAAABAAAAAAAAAAAAAAAAAAAAAAAAAAAAAAAAAAAAAAAAAAAAAAAAAAAAAAAAAAAAAAAAAAAAAAAAAAAAAAAAAAAAAAAAAAAAAAAAAAAAAAAAAAAAAAAAAAAAAFAAAADwAAAAAAAAAAAAAAAAAAAkUAAAAAQAAABQAAAAUAAAAFAAAAAEAAAAAAAAAZAAAAGQAAAAAAAAAZAAAAGQAAAAVAAAAYAAAAAAAAAAAAAAADwAAACADAAAAAAAAAAAAAAEAAACgMgAAVgcAAKr4//8BAAAAf39/AAEAAABkAAAAAAAAABQAAABAHwAAAAAAACYAAAAAAAAAwOD//wAAAAAmAAAAZAAAABYAAABMAAAAAAAAAAAAAAAEAAAAAAAAAAEAAADn5uYKAAAAACgAAAAoAAAAZAAAAGQAAAAAAAAAzMzMAAAAAABQAAAAUAAAAGQAAABkAAAAAAAAABcAAAAUAAAAAAAAAAAAAAD/fwAA/38AAAAAAAAJAAAABAAAAAAAAAAeAAAAaAAAAAAAAAAAAAAAAAAAAAAAAAAAAAAAECcAABAnAAAAAAAAAAAAAAAAAAAAAAAAAAAAAAAAAAAAAAAAAAAAABQAAAAAAAAAwMD/AAAAAABkAAAAMgAAAAAAAABkAAAAAAAAAH9/fwAKAAAAIgAAABgAAAAAAAAAAAAAAAAAAAAAAAAAAAAAAAAAAAAkAAAAJAAAAAAAAAAHAAAAAAAAAAAAAAAAAAAAAAAAAAAAAAAAAAAAf39/ACUAAABYAAAAAAAAAAAAAAAAAAAAAAAAAAAAAAAAAAAAAAAAAAAAAAAAAAAAAAAAAAAAAAA/AAAAAAAAAKCGAQAAAAAAAAAAAAAAAAAMAAAAAQAAAAAAAAAAAAAAAAAAAB8AAABUAAAAAAAABQAAAAEAAAAAAAAAAAAAAAAAAAAAAAAAAAAAAAAAAAAAAAAAAAAAAAJ/f38AAAAAA8zMzADAwP8Af39/AAAAAAAAAAAAAAAAAAAAAAAAAAAAIQAAABgAAAAUAAAAwAMAAK8BAAA/RwAAuggAABAAAAAmAAAACAAAADwgAAAAAAAA"/>
+                <pr:smNativeData xmlns:mc="http://schemas.openxmlformats.org/markup-compatibility/2006" xmlns:p14="http://schemas.microsoft.com/office/powerpoint/2010/main" xmlns:p15="http://schemas.microsoft.com/office/powerpoint/2012/main" xmlns:pr="smNativeData" xmlns="smNativeData" val="SMDATA_15_q5OGZBMAAAAlAAAAZAAAAA0AAAAAAAAAAAAAAAAAAAAAAAAAAAAAAAABAAAAAAAAAAEAAABQAAAAAAAAAAAA4D8AAAAAAADgPwAAAAAAAOA/AAAAAAAA4D8AAAAAAADgPwAAAAAAAOA/AAAAAAAA4D8AAAAAAADgPwAAAAAAAOA/AAAAAAAA4D8CAAAAjAAAAAAAAAAAAAAARHLEDP///wgAAAAAAAAAAAAAAAAAAAAAAAAAAAAAAAAAAAAAZAAAAAEAAABAAAAAAAAAAAAAAAAAAAAAAAAAAAAAAAAAAAAAAAAAAAAAAAAAAAAAAAAAAAAAAAAAAAAAAAAAAAAAAAAAAAAAAAAAAAAAAAAAAAAAAAAAAAAAAAAAAAAAFAAAADwAAAAAAAAAAAAAAAAAAAkUAAAAAQAAABQAAAAUAAAAFAAAAAEAAAAAAAAAZAAAAGQAAAAAAAAAZAAAAGQAAAAVAAAAYAAAAAAAAAAAAAAADwAAACADAAAAAAAAAAAAAAEAAACgMgAAVgcAAKr4//8BAAAAf39/AAEAAABkAAAAAAAAABQAAABAHwAAAAAAACYAAAAAAAAAwOD//wAAAAAmAAAAZAAAABYAAABMAAAAAAAAAAAAAAAEAAAAAAAAAAEAAADn5uYKAAAAACgAAAAoAAAAZAAAAGQAAAAAAAAAzMzMAAAAAABQAAAAUAAAAGQAAABkAAAAAAAAABcAAAAUAAAAAAAAAAAAAAD/fwAA/38AAAAAAAAJAAAABAAAAAAAAAAeAAAAaAAAAAAAAAAAAAAAAAAAAAAAAAAAAAAAECcAABAnAAAAAAAAAAAAAAAAAAAAAAAAAAAAAAAAAAAAAAAAAAAAABQAAAAAAAAAwMD/AAAAAABkAAAAMgAAAAAAAABkAAAAAAAAAH9/fwAKAAAAIgAAABgAAAAAAAAAAAAAAAAAAAAAAAAAAAAAAAAAAAAkAAAAJAAAAAAAAAAHAAAAAAAAAAAAAAAAAAAAAAAAAAAAAAAAAAAAf39/ACUAAABYAAAAAAAAAAAAAAAAAAAAAAAAAAAAAAAAAAAAAAAAAAAAAAAAAAAAAAAAAAAAAAA/AAAAAAAAAKCGAQAAAAAAAAAAAAAAAAAMAAAAAQAAAAAAAAAAAAAAAAAAAB8AAABUAAAAAAAABQAAAAEAAAAAAAAAAAAAAAAAAAAAAAAAAAAAAAAAAAAAAAAAAAAAAAJ/f38AAAAAA8zMzADAwP8Af39/AAAAAAAAAAAAAAAAAAAAAAAAAAAAIQAAABgAAAAUAAAAwAMAAK8BAAA/RwAAuggAABAAAAAmAAAACAAAADwgAAAAAAAA"/>
               </a:ext>
             </a:extLst>
           </p:cNvSpPr>
@@ -5155,7 +5158,7 @@
             <a:spLocks noGrp="1" noChangeArrowheads="1"/>
             <a:extLst>
               <a:ext uri="smNativeData">
-                <pr:smNativeData xmlns="smNativeData" xmlns:pr="smNativeData" xmlns:p15="http://schemas.microsoft.com/office/powerpoint/2012/main" xmlns:p14="http://schemas.microsoft.com/office/powerpoint/2010/main" xmlns:mc="http://schemas.openxmlformats.org/markup-compatibility/2006" val="SMDATA_15_q5OGZBMAAAAlAAAAZAAAAA0AAAAAAAAAAAAAAAAAAAAAAAAAAAAAAAAAAAAAAAAAAAEAAABQAAAAAAAAAAAA4D8AAAAAAADgPwAAAAAAAOA/AAAAAAAA4D8AAAAAAADgPwAAAAAAAOA/AAAAAAAA4D8AAAAAAADgPwAAAAAAAOA/AAAAAAAA4D8CAAAAjAAAAAAAAAAAAAAARHLEDP///wgAAAAAAAAAAAAAAAAAAAAAAAAAAAAAAAAAAAAAZAAAAAEAAABAAAAAAAAAAAAAAAAAAAAAAAAAAAAAAAAAAAAAAAAAAAAAAAAAAAAAAAAAAAAAAAAAAAAAAAAAAAAAAAAAAAAAAAAAAAAAAAAAAAAAAAAAAAAAAAAAAAAAFAAAADwAAAAAAAAAAAAAAAAAAAkUAAAAAQAAABQAAAAUAAAAFAAAAAEAAAAAAAAAZAAAAGQAAAAAAAAAZAAAAGQAAAAVAAAAYAAAAAAAAAAAAAAADwAAACADAAAAAAAAAAAAAAEAAACgMgAAVgcAAKr4//8BAAAAf39/AAEAAABkAAAAAAAAABQAAABAHwAAAAAAACYAAAAAAAAAwOD//wAAAAAmAAAAZAAAABYAAABMAAAAAAAAAAAAAAAEAAAAAAAAAAEAAADn5uYKAAAAACgAAAAoAAAAZAAAAGQAAAAAAAAAzMzMAAAAAABQAAAAUAAAAGQAAABkAAAAAAAAABcAAAAUAAAAAAAAAAAAAAD/fwAA/38AAAAAAAAJAAAABAAAAAAAAAAeAAAAaAAAAAAAAAAAAAAAAAAAAAAAAAAAAAAAECcAABAnAAAAAAAAAAAAAAAAAAAAAAAAAAAAAAAAAAAAAAAAAAAAABQAAAAAAAAAwMD/AAAAAABkAAAAMgAAAAAAAABkAAAAAAAAAH9/fwAKAAAAIgAAABgAAAAAAAAAAAAAAAAAAAAAAAAAAAAAAAAAAAAkAAAAJAAAAAAAAAAHAAAAAAAAAAAAAAAAAAAAAAAAAAAAAAAAAAAAf39/ACUAAABYAAAAAAAAAAAAAAAAAAAAAAAAAAAAAAAAAAAAAAAAAAAAAAAAAAAAAAAAAAAAAAA/AAAAAAAAAKCGAQAAAAAAAAAAAAAAAAAMAAAAAQAAAAAAAAAAAAAAAAAAAB8AAABUAAAAAAAABQAAAAEAAAAAAAAAAAAAAAAAAAAAAAAAAAAAAAAAAAAAAAAAAAAAAAJ/f38AAAAAA8zMzADAwP8Af39/AAAAAAAAAAAAAAAAAAAAAAAAAAAAIQAAABgAAAAUAAAAwAMAAN8JAACwJAAAihUAABAAAAAmAAAACAAAAD0gAAAAAAAA"/>
+                <pr:smNativeData xmlns:mc="http://schemas.openxmlformats.org/markup-compatibility/2006" xmlns:p14="http://schemas.microsoft.com/office/powerpoint/2010/main" xmlns:p15="http://schemas.microsoft.com/office/powerpoint/2012/main" xmlns:pr="smNativeData" xmlns="smNativeData" val="SMDATA_15_q5OGZBMAAAAlAAAAZAAAAA0AAAAAAAAAAAAAAAAAAAAAAAAAAAAAAAAAAAAAAAAAAAEAAABQAAAAAAAAAAAA4D8AAAAAAADgPwAAAAAAAOA/AAAAAAAA4D8AAAAAAADgPwAAAAAAAOA/AAAAAAAA4D8AAAAAAADgPwAAAAAAAOA/AAAAAAAA4D8CAAAAjAAAAAAAAAAAAAAARHLEDP///wgAAAAAAAAAAAAAAAAAAAAAAAAAAAAAAAAAAAAAZAAAAAEAAABAAAAAAAAAAAAAAAAAAAAAAAAAAAAAAAAAAAAAAAAAAAAAAAAAAAAAAAAAAAAAAAAAAAAAAAAAAAAAAAAAAAAAAAAAAAAAAAAAAAAAAAAAAAAAAAAAAAAAFAAAADwAAAAAAAAAAAAAAAAAAAkUAAAAAQAAABQAAAAUAAAAFAAAAAEAAAAAAAAAZAAAAGQAAAAAAAAAZAAAAGQAAAAVAAAAYAAAAAAAAAAAAAAADwAAACADAAAAAAAAAAAAAAEAAACgMgAAVgcAAKr4//8BAAAAf39/AAEAAABkAAAAAAAAABQAAABAHwAAAAAAACYAAAAAAAAAwOD//wAAAAAmAAAAZAAAABYAAABMAAAAAAAAAAAAAAAEAAAAAAAAAAEAAADn5uYKAAAAACgAAAAoAAAAZAAAAGQAAAAAAAAAzMzMAAAAAABQAAAAUAAAAGQAAABkAAAAAAAAABcAAAAUAAAAAAAAAAAAAAD/fwAA/38AAAAAAAAJAAAABAAAAAAAAAAeAAAAaAAAAAAAAAAAAAAAAAAAAAAAAAAAAAAAECcAABAnAAAAAAAAAAAAAAAAAAAAAAAAAAAAAAAAAAAAAAAAAAAAABQAAAAAAAAAwMD/AAAAAABkAAAAMgAAAAAAAABkAAAAAAAAAH9/fwAKAAAAIgAAABgAAAAAAAAAAAAAAAAAAAAAAAAAAAAAAAAAAAAkAAAAJAAAAAAAAAAHAAAAAAAAAAAAAAAAAAAAAAAAAAAAAAAAAAAAf39/ACUAAABYAAAAAAAAAAAAAAAAAAAAAAAAAAAAAAAAAAAAAAAAAAAAAAAAAAAAAAAAAAAAAAA/AAAAAAAAAKCGAQAAAAAAAAAAAAAAAAAMAAAAAQAAAAAAAAAAAAAAAAAAAB8AAABUAAAAAAAABQAAAAEAAAAAAAAAAAAAAAAAAAAAAAAAAAAAAAAAAAAAAAAAAAAAAAJ/f38AAAAAA8zMzADAwP8Af39/AAAAAAAAAAAAAAAAAAAAAAAAAAAAIQAAABgAAAAUAAAAwAMAAN8JAACwJAAAihUAABAAAAAmAAAACAAAAD0gAAAAAAAA"/>
               </a:ext>
             </a:extLst>
           </p:cNvSpPr>
@@ -5191,7 +5194,7 @@
             <a:spLocks noGrp="1" noChangeArrowheads="1"/>
             <a:extLst>
               <a:ext uri="smNativeData">
-                <pr:smNativeData xmlns="smNativeData" xmlns:pr="smNativeData" xmlns:p15="http://schemas.microsoft.com/office/powerpoint/2012/main" xmlns:p14="http://schemas.microsoft.com/office/powerpoint/2010/main" xmlns:mc="http://schemas.openxmlformats.org/markup-compatibility/2006" val="SMDATA_15_q5OGZBMAAAAlAAAAZAAAAA0AAAAAAAAAAAAAAAAAAAAAAAAAAAAAAAAAAAAAAAAAAAEAAABQAAAAAAAAAAAA4D8AAAAAAADgPwAAAAAAAOA/AAAAAAAA4D8AAAAAAADgPwAAAAAAAOA/AAAAAAAA4D8AAAAAAADgPwAAAAAAAOA/AAAAAAAA4D8CAAAAjAAAAAAAAAAAAAAARHLEDP///wgAAAAAAAAAAAAAAAAAAAAAAAAAAAAAAAAAAAAAZAAAAAEAAABAAAAAAAAAAAAAAAAAAAAAAAAAAAAAAAAAAAAAAAAAAAAAAAAAAAAAAAAAAAAAAAAAAAAAAAAAAAAAAAAAAAAAAAAAAAAAAAAAAAAAAAAAAAAAAAAAAAAAFAAAADwAAAAAAAAAAAAAAAAAAAkUAAAAAQAAABQAAAAUAAAAFAAAAAEAAAAAAAAAZAAAAGQAAAAAAAAAZAAAAGQAAAAVAAAAYAAAAAAAAAAAAAAADwAAACADAAAAAAAAAAAAAAEAAACgMgAAVgcAAKr4//8BAAAAf39/AAEAAABkAAAAAAAAABQAAABAHwAAAAAAACYAAAAAAAAAwOD//wAAAAAmAAAAZAAAABYAAABMAAAAAAAAAAAAAAAEAAAAAAAAAAEAAADn5uYKAAAAACgAAAAoAAAAZAAAAGQAAAAAAAAAzMzMAAAAAABQAAAAUAAAAGQAAABkAAAAAAAAABcAAAAUAAAAAAAAAAAAAAD/fwAA/38AAAAAAAAJAAAABAAAAAAAAAAeAAAAaAAAAAAAAAAAAAAAAAAAAAAAAAAAAAAAECcAABAnAAAAAAAAAAAAAAAAAAAAAAAAAAAAAAAAAAAAAAAAAAAAABQAAAAAAAAAwMD/AAAAAABkAAAAMgAAAAAAAABkAAAAAAAAAH9/fwAKAAAAIgAAABgAAAAAAAAAAAAAAAAAAAAAAAAAAAAAAAAAAAAkAAAAJAAAAAAAAAAHAAAAAAAAAAAAAAAAAAAAAAAAAAAAAAAAAAAAf39/ACUAAABYAAAAAAAAAAAAAAAAAAAAAAAAAAAAAAAAAAAAAAAAAAAAAAAAAAAAAAAAAAAAAAA/AAAAAAAAAKCGAQAAAAAAAAAAAAAAAAAMAAAAAQAAAAAAAAAAAAAAAAAAAB8AAABUAAAAAAAABQAAAAEAAAAAAAAAAAAAAAAAAAAAAAAAAAAAAAAAAAAAAAAAAAAAAAJ/f38AAAAAA8zMzADAwP8Af39/AAAAAAAAAAAAAAAAAAAAAAAAAAAAIQAAABgAAAAUAAAAViYAAN8JAABGRwAAihUAABAAAAAmAAAACAAAAD0gAAAAAAAA"/>
+                <pr:smNativeData xmlns:mc="http://schemas.openxmlformats.org/markup-compatibility/2006" xmlns:p14="http://schemas.microsoft.com/office/powerpoint/2010/main" xmlns:p15="http://schemas.microsoft.com/office/powerpoint/2012/main" xmlns:pr="smNativeData" xmlns="smNativeData" val="SMDATA_15_q5OGZBMAAAAlAAAAZAAAAA0AAAAAAAAAAAAAAAAAAAAAAAAAAAAAAAAAAAAAAAAAAAEAAABQAAAAAAAAAAAA4D8AAAAAAADgPwAAAAAAAOA/AAAAAAAA4D8AAAAAAADgPwAAAAAAAOA/AAAAAAAA4D8AAAAAAADgPwAAAAAAAOA/AAAAAAAA4D8CAAAAjAAAAAAAAAAAAAAARHLEDP///wgAAAAAAAAAAAAAAAAAAAAAAAAAAAAAAAAAAAAAZAAAAAEAAABAAAAAAAAAAAAAAAAAAAAAAAAAAAAAAAAAAAAAAAAAAAAAAAAAAAAAAAAAAAAAAAAAAAAAAAAAAAAAAAAAAAAAAAAAAAAAAAAAAAAAAAAAAAAAAAAAAAAAFAAAADwAAAAAAAAAAAAAAAAAAAkUAAAAAQAAABQAAAAUAAAAFAAAAAEAAAAAAAAAZAAAAGQAAAAAAAAAZAAAAGQAAAAVAAAAYAAAAAAAAAAAAAAADwAAACADAAAAAAAAAAAAAAEAAACgMgAAVgcAAKr4//8BAAAAf39/AAEAAABkAAAAAAAAABQAAABAHwAAAAAAACYAAAAAAAAAwOD//wAAAAAmAAAAZAAAABYAAABMAAAAAAAAAAAAAAAEAAAAAAAAAAEAAADn5uYKAAAAACgAAAAoAAAAZAAAAGQAAAAAAAAAzMzMAAAAAABQAAAAUAAAAGQAAABkAAAAAAAAABcAAAAUAAAAAAAAAAAAAAD/fwAA/38AAAAAAAAJAAAABAAAAAAAAAAeAAAAaAAAAAAAAAAAAAAAAAAAAAAAAAAAAAAAECcAABAnAAAAAAAAAAAAAAAAAAAAAAAAAAAAAAAAAAAAAAAAAAAAABQAAAAAAAAAwMD/AAAAAABkAAAAMgAAAAAAAABkAAAAAAAAAH9/fwAKAAAAIgAAABgAAAAAAAAAAAAAAAAAAAAAAAAAAAAAAAAAAAAkAAAAJAAAAAAAAAAHAAAAAAAAAAAAAAAAAAAAAAAAAAAAAAAAAAAAf39/ACUAAABYAAAAAAAAAAAAAAAAAAAAAAAAAAAAAAAAAAAAAAAAAAAAAAAAAAAAAAAAAAAAAAA/AAAAAAAAAKCGAQAAAAAAAAAAAAAAAAAMAAAAAQAAAAAAAAAAAAAAAAAAAB8AAABUAAAAAAAABQAAAAEAAAAAAAAAAAAAAAAAAAAAAAAAAAAAAAAAAAAAAAAAAAAAAAJ/f38AAAAAA8zMzADAwP8Af39/AAAAAAAAAAAAAAAAAAAAAAAAAAAAIQAAABgAAAAUAAAAViYAAN8JAABGRwAAihUAABAAAAAmAAAACAAAAD0gAAAAAAAA"/>
               </a:ext>
             </a:extLst>
           </p:cNvSpPr>
@@ -5227,7 +5230,7 @@
             <a:spLocks noGrp="1" noChangeArrowheads="1"/>
             <a:extLst>
               <a:ext uri="smNativeData">
-                <pr:smNativeData xmlns="smNativeData" xmlns:pr="smNativeData" xmlns:p15="http://schemas.microsoft.com/office/powerpoint/2012/main" xmlns:p14="http://schemas.microsoft.com/office/powerpoint/2010/main" xmlns:mc="http://schemas.openxmlformats.org/markup-compatibility/2006" val="SMDATA_15_q5OGZBMAAAAlAAAAZAAAAA0AAAAAAAAAAAAAAAAAAAAAAAAAAAAAAAAAAAAAAAAAAAEAAABQAAAAAAAAAAAA4D8AAAAAAADgPwAAAAAAAOA/AAAAAAAA4D8AAAAAAADgPwAAAAAAAOA/AAAAAAAA4D8AAAAAAADgPwAAAAAAAOA/AAAAAAAA4D8CAAAAjAAAAAAAAAAAAAAARHLEDP///wgAAAAAAAAAAAAAAAAAAAAAAAAAAAAAAAAAAAAAZAAAAAEAAABAAAAAAAAAAAAAAAAAAAAAAAAAAAAAAAAAAAAAAAAAAAAAAAAAAAAAAAAAAAAAAAAAAAAAAAAAAAAAAAAAAAAAAAAAAAAAAAAAAAAAAAAAAAAAAAAAAAAAFAAAADwAAAAAAAAAAAAAAAAAAAkUAAAAAQAAABQAAAAUAAAAFAAAAAEAAAAAAAAAZAAAAGQAAAAAAAAAZAAAAGQAAAAVAAAAYAAAAAAAAAAAAAAADwAAACADAAAAAAAAAAAAAAEAAACgMgAAVgcAAKr4//8BAAAAf39/AAEAAABkAAAAAAAAABQAAABAHwAAAAAAACYAAAAAAAAAwOD//wAAAAAmAAAAZAAAABYAAABMAAAAAAAAAAAAAAAEAAAAAAAAAAEAAADn5uYKAAAAACgAAAAoAAAAZAAAAGQAAAAAAAAAzMzMAAAAAABQAAAAUAAAAGQAAABkAAAAAAAAABcAAAAUAAAAAAAAAAAAAAD/fwAA/38AAAAAAAAJAAAABAAAAAAAAAAeAAAAaAAAAAAAAAAAAAAAAAAAAAAAAAAAAAAAECcAABAnAAAAAAAAAAAAAAAAAAAAAAAAAAAAAAAAAAAAAAAAAAAAABQAAAAAAAAAwMD/AAAAAABkAAAAMgAAAAAAAABkAAAAAAAAAH9/fwAKAAAAIgAAABgAAAAAAAAAAAAAAAAAAAAAAAAAAAAAAAAAAAAkAAAAJAAAAAAAAAAHAAAAAAAAAAAAAAAAAAAAAAAAAAAAAAAAAAAAf39/ACUAAABYAAAAAAAAAAAAAAAAAAAAAAAAAAAAAAAAAAAAAAAAAAAAAAAAAAAAAAAAAAAAAAA/AAAAAAAAAKCGAQAAAAAAAAAAAAAAAAAMAAAAAQAAAAAAAAAAAAAAAAAAAB8AAABUAAAAAAAABQAAAAEAAAAAAAAAAAAAAAAAAAAAAAAAAAAAAAAAAAAAAAAAAAAAAAJ/f38AAAAAA8zMzADAwP8Af39/AAAAAAAAAAAAAAAAAAAAAAAAAAAAIQAAABgAAAAUAAAAwAMAAKcWAAA/RwAAUiIAABAAAAAmAAAACAAAAD0gAAAAAAAA"/>
+                <pr:smNativeData xmlns:mc="http://schemas.openxmlformats.org/markup-compatibility/2006" xmlns:p14="http://schemas.microsoft.com/office/powerpoint/2010/main" xmlns:p15="http://schemas.microsoft.com/office/powerpoint/2012/main" xmlns:pr="smNativeData" xmlns="smNativeData" val="SMDATA_15_q5OGZBMAAAAlAAAAZAAAAA0AAAAAAAAAAAAAAAAAAAAAAAAAAAAAAAAAAAAAAAAAAAEAAABQAAAAAAAAAAAA4D8AAAAAAADgPwAAAAAAAOA/AAAAAAAA4D8AAAAAAADgPwAAAAAAAOA/AAAAAAAA4D8AAAAAAADgPwAAAAAAAOA/AAAAAAAA4D8CAAAAjAAAAAAAAAAAAAAARHLEDP///wgAAAAAAAAAAAAAAAAAAAAAAAAAAAAAAAAAAAAAZAAAAAEAAABAAAAAAAAAAAAAAAAAAAAAAAAAAAAAAAAAAAAAAAAAAAAAAAAAAAAAAAAAAAAAAAAAAAAAAAAAAAAAAAAAAAAAAAAAAAAAAAAAAAAAAAAAAAAAAAAAAAAAFAAAADwAAAAAAAAAAAAAAAAAAAkUAAAAAQAAABQAAAAUAAAAFAAAAAEAAAAAAAAAZAAAAGQAAAAAAAAAZAAAAGQAAAAVAAAAYAAAAAAAAAAAAAAADwAAACADAAAAAAAAAAAAAAEAAACgMgAAVgcAAKr4//8BAAAAf39/AAEAAABkAAAAAAAAABQAAABAHwAAAAAAACYAAAAAAAAAwOD//wAAAAAmAAAAZAAAABYAAABMAAAAAAAAAAAAAAAEAAAAAAAAAAEAAADn5uYKAAAAACgAAAAoAAAAZAAAAGQAAAAAAAAAzMzMAAAAAABQAAAAUAAAAGQAAABkAAAAAAAAABcAAAAUAAAAAAAAAAAAAAD/fwAA/38AAAAAAAAJAAAABAAAAAAAAAAeAAAAaAAAAAAAAAAAAAAAAAAAAAAAAAAAAAAAECcAABAnAAAAAAAAAAAAAAAAAAAAAAAAAAAAAAAAAAAAAAAAAAAAABQAAAAAAAAAwMD/AAAAAABkAAAAMgAAAAAAAABkAAAAAAAAAH9/fwAKAAAAIgAAABgAAAAAAAAAAAAAAAAAAAAAAAAAAAAAAAAAAAAkAAAAJAAAAAAAAAAHAAAAAAAAAAAAAAAAAAAAAAAAAAAAAAAAAAAAf39/ACUAAABYAAAAAAAAAAAAAAAAAAAAAAAAAAAAAAAAAAAAAAAAAAAAAAAAAAAAAAAAAAAAAAA/AAAAAAAAAKCGAQAAAAAAAAAAAAAAAAAMAAAAAQAAAAAAAAAAAAAAAAAAAB8AAABUAAAAAAAABQAAAAEAAAAAAAAAAAAAAAAAAAAAAAAAAAAAAAAAAAAAAAAAAAAAAAJ/f38AAAAAA8zMzADAwP8Af39/AAAAAAAAAAAAAAAAAAAAAAAAAAAAIQAAABgAAAAUAAAAwAMAAKcWAAA/RwAAUiIAABAAAAAmAAAACAAAAD0gAAAAAAAA"/>
               </a:ext>
             </a:extLst>
           </p:cNvSpPr>
@@ -5288,7 +5291,7 @@
             <a:spLocks noGrp="1" noChangeArrowheads="1"/>
             <a:extLst>
               <a:ext uri="smNativeData">
-                <pr:smNativeData xmlns="smNativeData" xmlns:pr="smNativeData" xmlns:p15="http://schemas.microsoft.com/office/powerpoint/2012/main" xmlns:p14="http://schemas.microsoft.com/office/powerpoint/2010/main" xmlns:mc="http://schemas.openxmlformats.org/markup-compatibility/2006" val="SMDATA_15_q5OGZBMAAAAlAAAAZAAAAA0AAAAAAAAAAAAAAAAAAAAAAAAAAAAAAAABAAAAAAAAAAEAAABQAAAAAAAAAAAA4D8AAAAAAADgPwAAAAAAAOA/AAAAAAAA4D8AAAAAAADgPwAAAAAAAOA/AAAAAAAA4D8AAAAAAADgPwAAAAAAAOA/AAAAAAAA4D8CAAAAjAAAAAAAAAAAAAAARHLEDP///wgAAAAAAAAAAAAAAAAAAAAAAAAAAAAAAAAAAAAAZAAAAAEAAABAAAAAAAAAAAAAAAAAAAAAAAAAAAAAAAAAAAAAAAAAAAAAAAAAAAAAAAAAAAAAAAAAAAAAAAAAAAAAAAAAAAAAAAAAAAAAAAAAAAAAAAAAAAAAAAAAAAAAFAAAADwAAAAAAAAAAAAAAAAAAAkUAAAAAQAAABQAAAAUAAAAFAAAAAEAAAAAAAAAZAAAAGQAAAAAAAAAZAAAAGQAAAAVAAAAYAAAAAAAAAAAAAAADwAAACADAAAAAAAAAAAAAAEAAACgMgAAVgcAAKr4//8BAAAAf39/AAEAAABkAAAAAAAAABQAAABAHwAAAAAAACYAAAAAAAAAwOD//wAAAAAmAAAAZAAAABYAAABMAAAAAAAAAAAAAAAEAAAAAAAAAAEAAADn5uYKAAAAACgAAAAoAAAAZAAAAGQAAAAAAAAAzMzMAAAAAABQAAAAUAAAAGQAAABkAAAAAAAAABcAAAAUAAAAAAAAAAAAAAD/fwAA/38AAAAAAAAJAAAABAAAAAAAAAAeAAAAaAAAAAAAAAAAAAAAAAAAAAAAAAAAAAAAECcAABAnAAAAAAAAAAAAAAAAAAAAAAAAAAAAAAAAAAAAAAAAAAAAABQAAAAAAAAAwMD/AAAAAABkAAAAMgAAAAAAAABkAAAAAAAAAH9/fwAKAAAAIgAAABgAAAAAAAAAAAAAAAAAAAAAAAAAAAAAAAAAAAAkAAAAJAAAAAAAAAAHAAAAAAAAAAAAAAAAAAAAAAAAAAAAAAAAAAAAf39/ACUAAABYAAAAAAAAAAAAAAAAAAAAAAAAAAAAAAAAAAAAAAAAAAAAAAAAAAAAAAAAAAAAAAA/AAAAAAAAAKCGAQAAAAAAAAAAAAAAAAAMAAAAAQAAAAAAAAAAAAAAAAAAAB8AAABUAAAAAAAABQAAAAEAAAAAAAAAAAAAAAAAAAAAAAAAAAAAAAAAAAAAAAAAAAAAAAJ/f38AAAAAA8zMzADAwP8Af39/AAAAAAAAAAAAAAAAAAAAAAAAAAAAIQAAABgAAAAUAAAAwAMAAK8BAAA/RwAAuggAABAAAAAmAAAACAAAADwgAAAAAAAA"/>
+                <pr:smNativeData xmlns:mc="http://schemas.openxmlformats.org/markup-compatibility/2006" xmlns:p14="http://schemas.microsoft.com/office/powerpoint/2010/main" xmlns:p15="http://schemas.microsoft.com/office/powerpoint/2012/main" xmlns:pr="smNativeData" xmlns="smNativeData" val="SMDATA_15_q5OGZBMAAAAlAAAAZAAAAA0AAAAAAAAAAAAAAAAAAAAAAAAAAAAAAAABAAAAAAAAAAEAAABQAAAAAAAAAAAA4D8AAAAAAADgPwAAAAAAAOA/AAAAAAAA4D8AAAAAAADgPwAAAAAAAOA/AAAAAAAA4D8AAAAAAADgPwAAAAAAAOA/AAAAAAAA4D8CAAAAjAAAAAAAAAAAAAAARHLEDP///wgAAAAAAAAAAAAAAAAAAAAAAAAAAAAAAAAAAAAAZAAAAAEAAABAAAAAAAAAAAAAAAAAAAAAAAAAAAAAAAAAAAAAAAAAAAAAAAAAAAAAAAAAAAAAAAAAAAAAAAAAAAAAAAAAAAAAAAAAAAAAAAAAAAAAAAAAAAAAAAAAAAAAFAAAADwAAAAAAAAAAAAAAAAAAAkUAAAAAQAAABQAAAAUAAAAFAAAAAEAAAAAAAAAZAAAAGQAAAAAAAAAZAAAAGQAAAAVAAAAYAAAAAAAAAAAAAAADwAAACADAAAAAAAAAAAAAAEAAACgMgAAVgcAAKr4//8BAAAAf39/AAEAAABkAAAAAAAAABQAAABAHwAAAAAAACYAAAAAAAAAwOD//wAAAAAmAAAAZAAAABYAAABMAAAAAAAAAAAAAAAEAAAAAAAAAAEAAADn5uYKAAAAACgAAAAoAAAAZAAAAGQAAAAAAAAAzMzMAAAAAABQAAAAUAAAAGQAAABkAAAAAAAAABcAAAAUAAAAAAAAAAAAAAD/fwAA/38AAAAAAAAJAAAABAAAAAAAAAAeAAAAaAAAAAAAAAAAAAAAAAAAAAAAAAAAAAAAECcAABAnAAAAAAAAAAAAAAAAAAAAAAAAAAAAAAAAAAAAAAAAAAAAABQAAAAAAAAAwMD/AAAAAABkAAAAMgAAAAAAAABkAAAAAAAAAH9/fwAKAAAAIgAAABgAAAAAAAAAAAAAAAAAAAAAAAAAAAAAAAAAAAAkAAAAJAAAAAAAAAAHAAAAAAAAAAAAAAAAAAAAAAAAAAAAAAAAAAAAf39/ACUAAABYAAAAAAAAAAAAAAAAAAAAAAAAAAAAAAAAAAAAAAAAAAAAAAAAAAAAAAAAAAAAAAA/AAAAAAAAAKCGAQAAAAAAAAAAAAAAAAAMAAAAAQAAAAAAAAAAAAAAAAAAAB8AAABUAAAAAAAABQAAAAEAAAAAAAAAAAAAAAAAAAAAAAAAAAAAAAAAAAAAAAAAAAAAAAJ/f38AAAAAA8zMzADAwP8Af39/AAAAAAAAAAAAAAAAAAAAAAAAAAAAIQAAABgAAAAUAAAAwAMAAK8BAAA/RwAAuggAABAAAAAmAAAACAAAADwgAAAAAAAA"/>
               </a:ext>
             </a:extLst>
           </p:cNvSpPr>
@@ -5319,7 +5322,7 @@
             <a:spLocks noGrp="1" noChangeArrowheads="1"/>
             <a:extLst>
               <a:ext uri="smNativeData">
-                <pr:smNativeData xmlns="smNativeData" xmlns:pr="smNativeData" xmlns:p15="http://schemas.microsoft.com/office/powerpoint/2012/main" xmlns:p14="http://schemas.microsoft.com/office/powerpoint/2010/main" xmlns:mc="http://schemas.openxmlformats.org/markup-compatibility/2006" val="SMDATA_15_q5OGZBMAAAAlAAAAZAAAAA0AAAAAAAAAAAAAAAAAAAAAAAAAAAAAAAAAAAAAAAAAAAEAAABQAAAAAAAAAAAA4D8AAAAAAADgPwAAAAAAAOA/AAAAAAAA4D8AAAAAAADgPwAAAAAAAOA/AAAAAAAA4D8AAAAAAADgPwAAAAAAAOA/AAAAAAAA4D8CAAAAjAAAAAAAAAAAAAAARHLEDP///wgAAAAAAAAAAAAAAAAAAAAAAAAAAAAAAAAAAAAAZAAAAAEAAABAAAAAAAAAAAAAAAAAAAAAAAAAAAAAAAAAAAAAAAAAAAAAAAAAAAAAAAAAAAAAAAAAAAAAAAAAAAAAAAAAAAAAAAAAAAAAAAAAAAAAAAAAAAAAAAAAAAAAFAAAADwAAAAAAAAAAAAAAAAAAAkUAAAAAQAAABQAAAAUAAAAFAAAAAEAAAAAAAAAZAAAAGQAAAAAAAAAZAAAAGQAAAAVAAAAYAAAAAAAAAAAAAAADwAAACADAAAAAAAAAAAAAAEAAACgMgAAVgcAAKr4//8BAAAAf39/AAEAAABkAAAAAAAAABQAAABAHwAAAAAAACYAAAAAAAAAwOD//wAAAAAmAAAAZAAAABYAAABMAAAAAAAAAAAAAAAEAAAAAAAAAAEAAADn5uYKAAAAACgAAAAoAAAAZAAAAGQAAAAAAAAAzMzMAAAAAABQAAAAUAAAAGQAAABkAAAAAAAAABcAAAAUAAAAAAAAAAAAAAD/fwAA/38AAAAAAAAJAAAABAAAAAAAAAAeAAAAaAAAAAAAAAAAAAAAAAAAAAAAAAAAAAAAECcAABAnAAAAAAAAAAAAAAAAAAAAAAAAAAAAAAAAAAAAAAAAAAAAABQAAAAAAAAAwMD/AAAAAABkAAAAMgAAAAAAAABkAAAAAAAAAH9/fwAKAAAAIgAAABgAAAAAAAAAAAAAAAAAAAAAAAAAAAAAAAAAAAAkAAAAJAAAAAAAAAAHAAAAAAAAAAAAAAAAAAAAAAAAAAAAAAAAAAAAf39/ACUAAABYAAAAAAAAAAAAAAAAAAAAAAAAAAAAAAAAAAAAAAAAAAAAAAAAAAAAAAAAAAAAAAA/AAAAAAAAAKCGAQAAAAAAAAAAAAAAAAAMAAAAAQAAAAAAAAAAAAAAAAAAAB8AAABUAAAAAAAABQAAAAEAAAAAAAAAAAAAAAAAAAAAAAAAAAAAAAAAAAAAAAAAAAAAAAJ/f38AAAAAA8zMzADAwP8Af39/AAAAAAAAAAAAAAAAAAAAAAAAAAAAIQAAABgAAAAUAAAAwAMAAN8JAAA/RwAAihUAABAAAAAmAAAACAAAAD0gAAAAAAAA"/>
+                <pr:smNativeData xmlns:mc="http://schemas.openxmlformats.org/markup-compatibility/2006" xmlns:p14="http://schemas.microsoft.com/office/powerpoint/2010/main" xmlns:p15="http://schemas.microsoft.com/office/powerpoint/2012/main" xmlns:pr="smNativeData" xmlns="smNativeData" val="SMDATA_15_q5OGZBMAAAAlAAAAZAAAAA0AAAAAAAAAAAAAAAAAAAAAAAAAAAAAAAAAAAAAAAAAAAEAAABQAAAAAAAAAAAA4D8AAAAAAADgPwAAAAAAAOA/AAAAAAAA4D8AAAAAAADgPwAAAAAAAOA/AAAAAAAA4D8AAAAAAADgPwAAAAAAAOA/AAAAAAAA4D8CAAAAjAAAAAAAAAAAAAAARHLEDP///wgAAAAAAAAAAAAAAAAAAAAAAAAAAAAAAAAAAAAAZAAAAAEAAABAAAAAAAAAAAAAAAAAAAAAAAAAAAAAAAAAAAAAAAAAAAAAAAAAAAAAAAAAAAAAAAAAAAAAAAAAAAAAAAAAAAAAAAAAAAAAAAAAAAAAAAAAAAAAAAAAAAAAFAAAADwAAAAAAAAAAAAAAAAAAAkUAAAAAQAAABQAAAAUAAAAFAAAAAEAAAAAAAAAZAAAAGQAAAAAAAAAZAAAAGQAAAAVAAAAYAAAAAAAAAAAAAAADwAAACADAAAAAAAAAAAAAAEAAACgMgAAVgcAAKr4//8BAAAAf39/AAEAAABkAAAAAAAAABQAAABAHwAAAAAAACYAAAAAAAAAwOD//wAAAAAmAAAAZAAAABYAAABMAAAAAAAAAAAAAAAEAAAAAAAAAAEAAADn5uYKAAAAACgAAAAoAAAAZAAAAGQAAAAAAAAAzMzMAAAAAABQAAAAUAAAAGQAAABkAAAAAAAAABcAAAAUAAAAAAAAAAAAAAD/fwAA/38AAAAAAAAJAAAABAAAAAAAAAAeAAAAaAAAAAAAAAAAAAAAAAAAAAAAAAAAAAAAECcAABAnAAAAAAAAAAAAAAAAAAAAAAAAAAAAAAAAAAAAAAAAAAAAABQAAAAAAAAAwMD/AAAAAABkAAAAMgAAAAAAAABkAAAAAAAAAH9/fwAKAAAAIgAAABgAAAAAAAAAAAAAAAAAAAAAAAAAAAAAAAAAAAAkAAAAJAAAAAAAAAAHAAAAAAAAAAAAAAAAAAAAAAAAAAAAAAAAAAAAf39/ACUAAABYAAAAAAAAAAAAAAAAAAAAAAAAAAAAAAAAAAAAAAAAAAAAAAAAAAAAAAAAAAAAAAA/AAAAAAAAAKCGAQAAAAAAAAAAAAAAAAAMAAAAAQAAAAAAAAAAAAAAAAAAAB8AAABUAAAAAAAABQAAAAEAAAAAAAAAAAAAAAAAAAAAAAAAAAAAAAAAAAAAAAAAAAAAAAJ/f38AAAAAA8zMzADAwP8Af39/AAAAAAAAAAAAAAAAAAAAAAAAAAAAIQAAABgAAAAUAAAAwAMAAN8JAAA/RwAAihUAABAAAAAmAAAACAAAAD0gAAAAAAAA"/>
               </a:ext>
             </a:extLst>
           </p:cNvSpPr>
@@ -5355,7 +5358,7 @@
             <a:spLocks noGrp="1" noChangeArrowheads="1"/>
             <a:extLst>
               <a:ext uri="smNativeData">
-                <pr:smNativeData xmlns="smNativeData" xmlns:pr="smNativeData" xmlns:p15="http://schemas.microsoft.com/office/powerpoint/2012/main" xmlns:p14="http://schemas.microsoft.com/office/powerpoint/2010/main" xmlns:mc="http://schemas.openxmlformats.org/markup-compatibility/2006" val="SMDATA_15_q5OGZBMAAAAlAAAAZAAAAA0AAAAAAAAAAAAAAAAAAAAAAAAAAAAAAAAAAAAAAAAAAAEAAABQAAAAAAAAAAAA4D8AAAAAAADgPwAAAAAAAOA/AAAAAAAA4D8AAAAAAADgPwAAAAAAAOA/AAAAAAAA4D8AAAAAAADgPwAAAAAAAOA/AAAAAAAA4D8CAAAAjAAAAAAAAAAAAAAARHLEDP///wgAAAAAAAAAAAAAAAAAAAAAAAAAAAAAAAAAAAAAZAAAAAEAAABAAAAAAAAAAAAAAAAAAAAAAAAAAAAAAAAAAAAAAAAAAAAAAAAAAAAAAAAAAAAAAAAAAAAAAAAAAAAAAAAAAAAAAAAAAAAAAAAAAAAAAAAAAAAAAAAAAAAAFAAAADwAAAAAAAAAAAAAAAAAAAkUAAAAAQAAABQAAAAUAAAAFAAAAAEAAAAAAAAAZAAAAGQAAAAAAAAAZAAAAGQAAAAVAAAAYAAAAAAAAAAAAAAADwAAACADAAAAAAAAAAAAAAEAAACgMgAAVgcAAKr4//8BAAAAf39/AAEAAABkAAAAAAAAABQAAABAHwAAAAAAACYAAAAAAAAAwOD//wAAAAAmAAAAZAAAABYAAABMAAAAAAAAAAAAAAAEAAAAAAAAAAEAAADn5uYKAAAAACgAAAAoAAAAZAAAAGQAAAAAAAAAzMzMAAAAAABQAAAAUAAAAGQAAABkAAAAAAAAABcAAAAUAAAAAAAAAAAAAAD/fwAA/38AAAAAAAAJAAAABAAAAAAAAAAeAAAAaAAAAAAAAAAAAAAAAAAAAAAAAAAAAAAAECcAABAnAAAAAAAAAAAAAAAAAAAAAAAAAAAAAAAAAAAAAAAAAAAAABQAAAAAAAAAwMD/AAAAAABkAAAAMgAAAAAAAABkAAAAAAAAAH9/fwAKAAAAIgAAABgAAAAAAAAAAAAAAAAAAAAAAAAAAAAAAAAAAAAkAAAAJAAAAAAAAAAHAAAAAAAAAAAAAAAAAAAAAAAAAAAAAAAAAAAAf39/ACUAAABYAAAAAAAAAAAAAAAAAAAAAAAAAAAAAAAAAAAAAAAAAAAAAAAAAAAAAAAAAAAAAAA/AAAAAAAAAKCGAQAAAAAAAAAAAAAAAAAMAAAAAQAAAAAAAAAAAAAAAAAAAB8AAABUAAAAAAAABQAAAAEAAAAAAAAAAAAAAAAAAAAAAAAAAAAAAAAAAAAAAAAAAAAAAAJ/f38AAAAAA8zMzADAwP8Af39/AAAAAAAAAAAAAAAAAAAAAAAAAAAAIQAAABgAAAAUAAAAwAMAAKcWAAA/RwAAUiIAABAAAAAmAAAACAAAAD0gAAAAAAAA"/>
+                <pr:smNativeData xmlns:mc="http://schemas.openxmlformats.org/markup-compatibility/2006" xmlns:p14="http://schemas.microsoft.com/office/powerpoint/2010/main" xmlns:p15="http://schemas.microsoft.com/office/powerpoint/2012/main" xmlns:pr="smNativeData" xmlns="smNativeData" val="SMDATA_15_q5OGZBMAAAAlAAAAZAAAAA0AAAAAAAAAAAAAAAAAAAAAAAAAAAAAAAAAAAAAAAAAAAEAAABQAAAAAAAAAAAA4D8AAAAAAADgPwAAAAAAAOA/AAAAAAAA4D8AAAAAAADgPwAAAAAAAOA/AAAAAAAA4D8AAAAAAADgPwAAAAAAAOA/AAAAAAAA4D8CAAAAjAAAAAAAAAAAAAAARHLEDP///wgAAAAAAAAAAAAAAAAAAAAAAAAAAAAAAAAAAAAAZAAAAAEAAABAAAAAAAAAAAAAAAAAAAAAAAAAAAAAAAAAAAAAAAAAAAAAAAAAAAAAAAAAAAAAAAAAAAAAAAAAAAAAAAAAAAAAAAAAAAAAAAAAAAAAAAAAAAAAAAAAAAAAFAAAADwAAAAAAAAAAAAAAAAAAAkUAAAAAQAAABQAAAAUAAAAFAAAAAEAAAAAAAAAZAAAAGQAAAAAAAAAZAAAAGQAAAAVAAAAYAAAAAAAAAAAAAAADwAAACADAAAAAAAAAAAAAAEAAACgMgAAVgcAAKr4//8BAAAAf39/AAEAAABkAAAAAAAAABQAAABAHwAAAAAAACYAAAAAAAAAwOD//wAAAAAmAAAAZAAAABYAAABMAAAAAAAAAAAAAAAEAAAAAAAAAAEAAADn5uYKAAAAACgAAAAoAAAAZAAAAGQAAAAAAAAAzMzMAAAAAABQAAAAUAAAAGQAAABkAAAAAAAAABcAAAAUAAAAAAAAAAAAAAD/fwAA/38AAAAAAAAJAAAABAAAAAAAAAAeAAAAaAAAAAAAAAAAAAAAAAAAAAAAAAAAAAAAECcAABAnAAAAAAAAAAAAAAAAAAAAAAAAAAAAAAAAAAAAAAAAAAAAABQAAAAAAAAAwMD/AAAAAABkAAAAMgAAAAAAAABkAAAAAAAAAH9/fwAKAAAAIgAAABgAAAAAAAAAAAAAAAAAAAAAAAAAAAAAAAAAAAAkAAAAJAAAAAAAAAAHAAAAAAAAAAAAAAAAAAAAAAAAAAAAAAAAAAAAf39/ACUAAABYAAAAAAAAAAAAAAAAAAAAAAAAAAAAAAAAAAAAAAAAAAAAAAAAAAAAAAAAAAAAAAA/AAAAAAAAAKCGAQAAAAAAAAAAAAAAAAAMAAAAAQAAAAAAAAAAAAAAAAAAAB8AAABUAAAAAAAABQAAAAEAAAAAAAAAAAAAAAAAAAAAAAAAAAAAAAAAAAAAAAAAAAAAAAJ/f38AAAAAA8zMzADAwP8Af39/AAAAAAAAAAAAAAAAAAAAAAAAAAAAIQAAABgAAAAUAAAAwAMAAKcWAAA/RwAAUiIAABAAAAAmAAAACAAAAD0gAAAAAAAA"/>
               </a:ext>
             </a:extLst>
           </p:cNvSpPr>
@@ -5416,7 +5419,7 @@
             <a:spLocks noGrp="1" noChangeArrowheads="1"/>
             <a:extLst>
               <a:ext uri="smNativeData">
-                <pr:smNativeData xmlns="smNativeData" xmlns:pr="smNativeData" xmlns:p15="http://schemas.microsoft.com/office/powerpoint/2012/main" xmlns:p14="http://schemas.microsoft.com/office/powerpoint/2010/main" xmlns:mc="http://schemas.openxmlformats.org/markup-compatibility/2006" val="SMDATA_15_q5OGZBMAAAAlAAAAZAAAAA0AAAAAAAAAAAAAAAAAAAAAAAAAAAAAAAABAAAAAAAAAAEAAABQAAAAAAAAAAAA4D8AAAAAAADgPwAAAAAAAOA/AAAAAAAA4D8AAAAAAADgPwAAAAAAAOA/AAAAAAAA4D8AAAAAAADgPwAAAAAAAOA/AAAAAAAA4D8CAAAAjAAAAAAAAAAAAAAARHLEDP///wgAAAAAAAAAAAAAAAAAAAAAAAAAAAAAAAAAAAAAZAAAAAEAAABAAAAAAAAAAAAAAAAAAAAAAAAAAAAAAAAAAAAAAAAAAAAAAAAAAAAAAAAAAAAAAAAAAAAAAAAAAAAAAAAAAAAAAAAAAAAAAAAAAAAAAAAAAAAAAAAAAAAAFAAAADwAAAAAAAAAAAAAAAAAAAkUAAAAAQAAABQAAAAUAAAAFAAAAAEAAAAAAAAAZAAAAGQAAAAAAAAAZAAAAGQAAAAVAAAAYAAAAAAAAAAAAAAADwAAACADAAAAAAAAAAAAAAEAAACgMgAAVgcAAKr4//8BAAAAf39/AAEAAABkAAAAAAAAABQAAABAHwAAAAAAACYAAAAAAAAAwOD//wAAAAAmAAAAZAAAABYAAABMAAAAAAAAAAAAAAAEAAAAAAAAAAEAAADn5uYKAAAAACgAAAAoAAAAZAAAAGQAAAAAAAAAzMzMAAAAAABQAAAAUAAAAGQAAABkAAAAAAAAABcAAAAUAAAAAAAAAAAAAAD/fwAA/38AAAAAAAAJAAAABAAAAAAAAAAeAAAAaAAAAAAAAAAAAAAAAAAAAAAAAAAAAAAAECcAABAnAAAAAAAAAAAAAAAAAAAAAAAAAAAAAAAAAAAAAAAAAAAAABQAAAAAAAAAwMD/AAAAAABkAAAAMgAAAAAAAABkAAAAAAAAAH9/fwAKAAAAIgAAABgAAAAAAAAAAAAAAAAAAAAAAAAAAAAAAAAAAAAkAAAAJAAAAAAAAAAHAAAAAAAAAAAAAAAAAAAAAAAAAAAAAAAAAAAAf39/ACUAAABYAAAAAAAAAAAAAAAAAAAAAAAAAAAAAAAAAAAAAAAAAAAAAAAAAAAAAAAAAAAAAAA/AAAAAAAAAKCGAQAAAAAAAAAAAAAAAAAMAAAAAQAAAAAAAAAAAAAAAAAAAB8AAABUAAAAAAAABQAAAAEAAAAAAAAAAAAAAAAAAAAAAAAAAAAAAAAAAAAAAAAAAAAAAAJ/f38AAAAAA8zMzADAwP8Af39/AAAAAAAAAAAAAAAAAAAAAAAAAAAAIQAAABgAAAAUAAAAwAMAAK8BAAA/RwAAuggAABAAAAAmAAAACAAAADwgAAAAAAAA"/>
+                <pr:smNativeData xmlns:mc="http://schemas.openxmlformats.org/markup-compatibility/2006" xmlns:p14="http://schemas.microsoft.com/office/powerpoint/2010/main" xmlns:p15="http://schemas.microsoft.com/office/powerpoint/2012/main" xmlns:pr="smNativeData" xmlns="smNativeData" val="SMDATA_15_q5OGZBMAAAAlAAAAZAAAAA0AAAAAAAAAAAAAAAAAAAAAAAAAAAAAAAABAAAAAAAAAAEAAABQAAAAAAAAAAAA4D8AAAAAAADgPwAAAAAAAOA/AAAAAAAA4D8AAAAAAADgPwAAAAAAAOA/AAAAAAAA4D8AAAAAAADgPwAAAAAAAOA/AAAAAAAA4D8CAAAAjAAAAAAAAAAAAAAARHLEDP///wgAAAAAAAAAAAAAAAAAAAAAAAAAAAAAAAAAAAAAZAAAAAEAAABAAAAAAAAAAAAAAAAAAAAAAAAAAAAAAAAAAAAAAAAAAAAAAAAAAAAAAAAAAAAAAAAAAAAAAAAAAAAAAAAAAAAAAAAAAAAAAAAAAAAAAAAAAAAAAAAAAAAAFAAAADwAAAAAAAAAAAAAAAAAAAkUAAAAAQAAABQAAAAUAAAAFAAAAAEAAAAAAAAAZAAAAGQAAAAAAAAAZAAAAGQAAAAVAAAAYAAAAAAAAAAAAAAADwAAACADAAAAAAAAAAAAAAEAAACgMgAAVgcAAKr4//8BAAAAf39/AAEAAABkAAAAAAAAABQAAABAHwAAAAAAACYAAAAAAAAAwOD//wAAAAAmAAAAZAAAABYAAABMAAAAAAAAAAAAAAAEAAAAAAAAAAEAAADn5uYKAAAAACgAAAAoAAAAZAAAAGQAAAAAAAAAzMzMAAAAAABQAAAAUAAAAGQAAABkAAAAAAAAABcAAAAUAAAAAAAAAAAAAAD/fwAA/38AAAAAAAAJAAAABAAAAAAAAAAeAAAAaAAAAAAAAAAAAAAAAAAAAAAAAAAAAAAAECcAABAnAAAAAAAAAAAAAAAAAAAAAAAAAAAAAAAAAAAAAAAAAAAAABQAAAAAAAAAwMD/AAAAAABkAAAAMgAAAAAAAABkAAAAAAAAAH9/fwAKAAAAIgAAABgAAAAAAAAAAAAAAAAAAAAAAAAAAAAAAAAAAAAkAAAAJAAAAAAAAAAHAAAAAAAAAAAAAAAAAAAAAAAAAAAAAAAAAAAAf39/ACUAAABYAAAAAAAAAAAAAAAAAAAAAAAAAAAAAAAAAAAAAAAAAAAAAAAAAAAAAAAAAAAAAAA/AAAAAAAAAKCGAQAAAAAAAAAAAAAAAAAMAAAAAQAAAAAAAAAAAAAAAAAAAB8AAABUAAAAAAAABQAAAAEAAAAAAAAAAAAAAAAAAAAAAAAAAAAAAAAAAAAAAAAAAAAAAAJ/f38AAAAAA8zMzADAwP8Af39/AAAAAAAAAAAAAAAAAAAAAAAAAAAAIQAAABgAAAAUAAAAwAMAAK8BAAA/RwAAuggAABAAAAAmAAAACAAAADwgAAAAAAAA"/>
               </a:ext>
             </a:extLst>
           </p:cNvSpPr>
@@ -5447,7 +5450,7 @@
             <a:spLocks noGrp="1" noChangeArrowheads="1"/>
             <a:extLst>
               <a:ext uri="smNativeData">
-                <pr:smNativeData xmlns="smNativeData" xmlns:pr="smNativeData" xmlns:p15="http://schemas.microsoft.com/office/powerpoint/2012/main" xmlns:p14="http://schemas.microsoft.com/office/powerpoint/2010/main" xmlns:mc="http://schemas.openxmlformats.org/markup-compatibility/2006" val="SMDATA_15_q5OGZBMAAAAlAAAAZAAAAA0AAAAAAAAAAAAAAAAAAAAAAAAAAAAAAAAAAAAAAAAAAAEAAABQAAAAAAAAAAAA4D8AAAAAAADgPwAAAAAAAOA/AAAAAAAA4D8AAAAAAADgPwAAAAAAAOA/AAAAAAAA4D8AAAAAAADgPwAAAAAAAOA/AAAAAAAA4D8CAAAAjAAAAAAAAAAAAAAARHLEDP///wgAAAAAAAAAAAAAAAAAAAAAAAAAAAAAAAAAAAAAZAAAAAEAAABAAAAAAAAAAAAAAAAAAAAAAAAAAAAAAAAAAAAAAAAAAAAAAAAAAAAAAAAAAAAAAAAAAAAAAAAAAAAAAAAAAAAAAAAAAAAAAAAAAAAAAAAAAAAAAAAAAAAAFAAAADwAAAAAAAAAAAAAAAAAAAkUAAAAAQAAABQAAAAUAAAAFAAAAAEAAAAAAAAAZAAAAGQAAAAAAAAAZAAAAGQAAAAVAAAAYAAAAAAAAAAAAAAADwAAACADAAAAAAAAAAAAAAEAAACgMgAAVgcAAKr4//8BAAAAf39/AAEAAABkAAAAAAAAABQAAABAHwAAAAAAACYAAAAAAAAAwOD//wAAAAAmAAAAZAAAABYAAABMAAAAAAAAAAAAAAAEAAAAAAAAAAEAAADn5uYKAAAAACgAAAAoAAAAZAAAAGQAAAAAAAAAzMzMAAAAAABQAAAAUAAAAGQAAABkAAAAAAAAABcAAAAUAAAAAAAAAAAAAAD/fwAA/38AAAAAAAAJAAAABAAAAAAAAAAeAAAAaAAAAAAAAAAAAAAAAAAAAAAAAAAAAAAAECcAABAnAAAAAAAAAAAAAAAAAAAAAAAAAAAAAAAAAAAAAAAAAAAAABQAAAAAAAAAwMD/AAAAAABkAAAAMgAAAAAAAABkAAAAAAAAAH9/fwAKAAAAIgAAABgAAAAAAAAAAAAAAAAAAAAAAAAAAAAAAAAAAAAkAAAAJAAAAAAAAAAHAAAAAAAAAAAAAAAAAAAAAAAAAAAAAAAAAAAAf39/ACUAAABYAAAAAAAAAAAAAAAAAAAAAAAAAAAAAAAAAAAAAAAAAAAAAAAAAAAAAAAAAAAAAAA/AAAAAAAAAKCGAQAAAAAAAAAAAAAAAAAMAAAAAQAAAAAAAAAAAAAAAAAAAB8AAABUAAAAAAAABQAAAAEAAAAAAAAAAAAAAAAAAAAAAAAAAAAAAAAAAAAAAAAAAAAAAAJ/f38AAAAAA8zMzADAwP8Af39/AAAAAAAAAAAAAAAAAAAAAAAAAAAAIQAAABgAAAAUAAAAwAMAAN8JAACwJAAAihUAABAAAAAmAAAACAAAAD0gAAAAAAAA"/>
+                <pr:smNativeData xmlns:mc="http://schemas.openxmlformats.org/markup-compatibility/2006" xmlns:p14="http://schemas.microsoft.com/office/powerpoint/2010/main" xmlns:p15="http://schemas.microsoft.com/office/powerpoint/2012/main" xmlns:pr="smNativeData" xmlns="smNativeData" val="SMDATA_15_q5OGZBMAAAAlAAAAZAAAAA0AAAAAAAAAAAAAAAAAAAAAAAAAAAAAAAAAAAAAAAAAAAEAAABQAAAAAAAAAAAA4D8AAAAAAADgPwAAAAAAAOA/AAAAAAAA4D8AAAAAAADgPwAAAAAAAOA/AAAAAAAA4D8AAAAAAADgPwAAAAAAAOA/AAAAAAAA4D8CAAAAjAAAAAAAAAAAAAAARHLEDP///wgAAAAAAAAAAAAAAAAAAAAAAAAAAAAAAAAAAAAAZAAAAAEAAABAAAAAAAAAAAAAAAAAAAAAAAAAAAAAAAAAAAAAAAAAAAAAAAAAAAAAAAAAAAAAAAAAAAAAAAAAAAAAAAAAAAAAAAAAAAAAAAAAAAAAAAAAAAAAAAAAAAAAFAAAADwAAAAAAAAAAAAAAAAAAAkUAAAAAQAAABQAAAAUAAAAFAAAAAEAAAAAAAAAZAAAAGQAAAAAAAAAZAAAAGQAAAAVAAAAYAAAAAAAAAAAAAAADwAAACADAAAAAAAAAAAAAAEAAACgMgAAVgcAAKr4//8BAAAAf39/AAEAAABkAAAAAAAAABQAAABAHwAAAAAAACYAAAAAAAAAwOD//wAAAAAmAAAAZAAAABYAAABMAAAAAAAAAAAAAAAEAAAAAAAAAAEAAADn5uYKAAAAACgAAAAoAAAAZAAAAGQAAAAAAAAAzMzMAAAAAABQAAAAUAAAAGQAAABkAAAAAAAAABcAAAAUAAAAAAAAAAAAAAD/fwAA/38AAAAAAAAJAAAABAAAAAAAAAAeAAAAaAAAAAAAAAAAAAAAAAAAAAAAAAAAAAAAECcAABAnAAAAAAAAAAAAAAAAAAAAAAAAAAAAAAAAAAAAAAAAAAAAABQAAAAAAAAAwMD/AAAAAABkAAAAMgAAAAAAAABkAAAAAAAAAH9/fwAKAAAAIgAAABgAAAAAAAAAAAAAAAAAAAAAAAAAAAAAAAAAAAAkAAAAJAAAAAAAAAAHAAAAAAAAAAAAAAAAAAAAAAAAAAAAAAAAAAAAf39/ACUAAABYAAAAAAAAAAAAAAAAAAAAAAAAAAAAAAAAAAAAAAAAAAAAAAAAAAAAAAAAAAAAAAA/AAAAAAAAAKCGAQAAAAAAAAAAAAAAAAAMAAAAAQAAAAAAAAAAAAAAAAAAAB8AAABUAAAAAAAABQAAAAEAAAAAAAAAAAAAAAAAAAAAAAAAAAAAAAAAAAAAAAAAAAAAAAJ/f38AAAAAA8zMzADAwP8Af39/AAAAAAAAAAAAAAAAAAAAAAAAAAAAIQAAABgAAAAUAAAAwAMAAN8JAACwJAAAihUAABAAAAAmAAAACAAAAD0gAAAAAAAA"/>
               </a:ext>
             </a:extLst>
           </p:cNvSpPr>
@@ -5483,7 +5486,7 @@
             <a:spLocks noGrp="1" noChangeArrowheads="1"/>
             <a:extLst>
               <a:ext uri="smNativeData">
-                <pr:smNativeData xmlns="smNativeData" xmlns:pr="smNativeData" xmlns:p15="http://schemas.microsoft.com/office/powerpoint/2012/main" xmlns:p14="http://schemas.microsoft.com/office/powerpoint/2010/main" xmlns:mc="http://schemas.openxmlformats.org/markup-compatibility/2006" val="SMDATA_15_q5OGZBMAAAAlAAAAZAAAAA0AAAAAAAAAAAAAAAAAAAAAAAAAAAAAAAAAAAAAAAAAAAEAAABQAAAAAAAAAAAA4D8AAAAAAADgPwAAAAAAAOA/AAAAAAAA4D8AAAAAAADgPwAAAAAAAOA/AAAAAAAA4D8AAAAAAADgPwAAAAAAAOA/AAAAAAAA4D8CAAAAjAAAAAAAAAAAAAAARHLEDP///wgAAAAAAAAAAAAAAAAAAAAAAAAAAAAAAAAAAAAAZAAAAAEAAABAAAAAAAAAAAAAAAAAAAAAAAAAAAAAAAAAAAAAAAAAAAAAAAAAAAAAAAAAAAAAAAAAAAAAAAAAAAAAAAAAAAAAAAAAAAAAAAAAAAAAAAAAAAAAAAAAAAAAFAAAADwAAAAAAAAAAAAAAAAAAAkUAAAAAQAAABQAAAAUAAAAFAAAAAEAAAAAAAAAZAAAAGQAAAAAAAAAZAAAAGQAAAAVAAAAYAAAAAAAAAAAAAAADwAAACADAAAAAAAAAAAAAAEAAACgMgAAVgcAAKr4//8BAAAAf39/AAEAAABkAAAAAAAAABQAAABAHwAAAAAAACYAAAAAAAAAwOD//wAAAAAmAAAAZAAAABYAAABMAAAAAAAAAAAAAAAEAAAAAAAAAAEAAADn5uYKAAAAACgAAAAoAAAAZAAAAGQAAAAAAAAAzMzMAAAAAABQAAAAUAAAAGQAAABkAAAAAAAAABcAAAAUAAAAAAAAAAAAAAD/fwAA/38AAAAAAAAJAAAABAAAAAAAAAAeAAAAaAAAAAAAAAAAAAAAAAAAAAAAAAAAAAAAECcAABAnAAAAAAAAAAAAAAAAAAAAAAAAAAAAAAAAAAAAAAAAAAAAABQAAAAAAAAAwMD/AAAAAABkAAAAMgAAAAAAAABkAAAAAAAAAH9/fwAKAAAAIgAAABgAAAAAAAAAAAAAAAAAAAAAAAAAAAAAAAAAAAAkAAAAJAAAAAAAAAAHAAAAAAAAAAAAAAAAAAAAAAAAAAAAAAAAAAAAf39/ACUAAABYAAAAAAAAAAAAAAAAAAAAAAAAAAAAAAAAAAAAAAAAAAAAAAAAAAAAAAAAAAAAAAA/AAAAAAAAAKCGAQAAAAAAAAAAAAAAAAAMAAAAAQAAAAAAAAAAAAAAAAAAAB8AAABUAAAAAAAABQAAAAEAAAAAAAAAAAAAAAAAAAAAAAAAAAAAAAAAAAAAAAAAAAAAAAJ/f38AAAAAA8zMzADAwP8Af39/AAAAAAAAAAAAAAAAAAAAAAAAAAAAIQAAABgAAAAUAAAAViYAAN8JAABGRwAAihUAABAAAAAmAAAACAAAAD0gAAAAAAAA"/>
+                <pr:smNativeData xmlns:mc="http://schemas.openxmlformats.org/markup-compatibility/2006" xmlns:p14="http://schemas.microsoft.com/office/powerpoint/2010/main" xmlns:p15="http://schemas.microsoft.com/office/powerpoint/2012/main" xmlns:pr="smNativeData" xmlns="smNativeData" val="SMDATA_15_q5OGZBMAAAAlAAAAZAAAAA0AAAAAAAAAAAAAAAAAAAAAAAAAAAAAAAAAAAAAAAAAAAEAAABQAAAAAAAAAAAA4D8AAAAAAADgPwAAAAAAAOA/AAAAAAAA4D8AAAAAAADgPwAAAAAAAOA/AAAAAAAA4D8AAAAAAADgPwAAAAAAAOA/AAAAAAAA4D8CAAAAjAAAAAAAAAAAAAAARHLEDP///wgAAAAAAAAAAAAAAAAAAAAAAAAAAAAAAAAAAAAAZAAAAAEAAABAAAAAAAAAAAAAAAAAAAAAAAAAAAAAAAAAAAAAAAAAAAAAAAAAAAAAAAAAAAAAAAAAAAAAAAAAAAAAAAAAAAAAAAAAAAAAAAAAAAAAAAAAAAAAAAAAAAAAFAAAADwAAAAAAAAAAAAAAAAAAAkUAAAAAQAAABQAAAAUAAAAFAAAAAEAAAAAAAAAZAAAAGQAAAAAAAAAZAAAAGQAAAAVAAAAYAAAAAAAAAAAAAAADwAAACADAAAAAAAAAAAAAAEAAACgMgAAVgcAAKr4//8BAAAAf39/AAEAAABkAAAAAAAAABQAAABAHwAAAAAAACYAAAAAAAAAwOD//wAAAAAmAAAAZAAAABYAAABMAAAAAAAAAAAAAAAEAAAAAAAAAAEAAADn5uYKAAAAACgAAAAoAAAAZAAAAGQAAAAAAAAAzMzMAAAAAABQAAAAUAAAAGQAAABkAAAAAAAAABcAAAAUAAAAAAAAAAAAAAD/fwAA/38AAAAAAAAJAAAABAAAAAAAAAAeAAAAaAAAAAAAAAAAAAAAAAAAAAAAAAAAAAAAECcAABAnAAAAAAAAAAAAAAAAAAAAAAAAAAAAAAAAAAAAAAAAAAAAABQAAAAAAAAAwMD/AAAAAABkAAAAMgAAAAAAAABkAAAAAAAAAH9/fwAKAAAAIgAAABgAAAAAAAAAAAAAAAAAAAAAAAAAAAAAAAAAAAAkAAAAJAAAAAAAAAAHAAAAAAAAAAAAAAAAAAAAAAAAAAAAAAAAAAAAf39/ACUAAABYAAAAAAAAAAAAAAAAAAAAAAAAAAAAAAAAAAAAAAAAAAAAAAAAAAAAAAAAAAAAAAA/AAAAAAAAAKCGAQAAAAAAAAAAAAAAAAAMAAAAAQAAAAAAAAAAAAAAAAAAAB8AAABUAAAAAAAABQAAAAEAAAAAAAAAAAAAAAAAAAAAAAAAAAAAAAAAAAAAAAAAAAAAAAJ/f38AAAAAA8zMzADAwP8Af39/AAAAAAAAAAAAAAAAAAAAAAAAAAAAIQAAABgAAAAUAAAAViYAAN8JAABGRwAAihUAABAAAAAmAAAACAAAAD0gAAAAAAAA"/>
               </a:ext>
             </a:extLst>
           </p:cNvSpPr>
@@ -5519,7 +5522,7 @@
             <a:spLocks noGrp="1" noChangeArrowheads="1"/>
             <a:extLst>
               <a:ext uri="smNativeData">
-                <pr:smNativeData xmlns="smNativeData" xmlns:pr="smNativeData" xmlns:p15="http://schemas.microsoft.com/office/powerpoint/2012/main" xmlns:p14="http://schemas.microsoft.com/office/powerpoint/2010/main" xmlns:mc="http://schemas.openxmlformats.org/markup-compatibility/2006" val="SMDATA_15_q5OGZBMAAAAlAAAAZAAAAA0AAAAAAAAAAAAAAAAAAAAAAAAAAAAAAAAAAAAAAAAAAAEAAABQAAAAAAAAAAAA4D8AAAAAAADgPwAAAAAAAOA/AAAAAAAA4D8AAAAAAADgPwAAAAAAAOA/AAAAAAAA4D8AAAAAAADgPwAAAAAAAOA/AAAAAAAA4D8CAAAAjAAAAAAAAAAAAAAARHLEDP///wgAAAAAAAAAAAAAAAAAAAAAAAAAAAAAAAAAAAAAZAAAAAEAAABAAAAAAAAAAAAAAAAAAAAAAAAAAAAAAAAAAAAAAAAAAAAAAAAAAAAAAAAAAAAAAAAAAAAAAAAAAAAAAAAAAAAAAAAAAAAAAAAAAAAAAAAAAAAAAAAAAAAAFAAAADwAAAAAAAAAAAAAAAAAAAkUAAAAAQAAABQAAAAUAAAAFAAAAAEAAAAAAAAAZAAAAGQAAAAAAAAAZAAAAGQAAAAVAAAAYAAAAAAAAAAAAAAADwAAACADAAAAAAAAAAAAAAEAAACgMgAAVgcAAKr4//8BAAAAf39/AAEAAABkAAAAAAAAABQAAABAHwAAAAAAACYAAAAAAAAAwOD//wAAAAAmAAAAZAAAABYAAABMAAAAAAAAAAAAAAAEAAAAAAAAAAEAAADn5uYKAAAAACgAAAAoAAAAZAAAAGQAAAAAAAAAzMzMAAAAAABQAAAAUAAAAGQAAABkAAAAAAAAABcAAAAUAAAAAAAAAAAAAAD/fwAA/38AAAAAAAAJAAAABAAAAAAAAAAeAAAAaAAAAAAAAAAAAAAAAAAAAAAAAAAAAAAAECcAABAnAAAAAAAAAAAAAAAAAAAAAAAAAAAAAAAAAAAAAAAAAAAAABQAAAAAAAAAwMD/AAAAAABkAAAAMgAAAAAAAABkAAAAAAAAAH9/fwAKAAAAIgAAABgAAAAAAAAAAAAAAAAAAAAAAAAAAAAAAAAAAAAkAAAAJAAAAAAAAAAHAAAAAAAAAAAAAAAAAAAAAAAAAAAAAAAAAAAAf39/ACUAAABYAAAAAAAAAAAAAAAAAAAAAAAAAAAAAAAAAAAAAAAAAAAAAAAAAAAAAAAAAAAAAAA/AAAAAAAAAKCGAQAAAAAAAAAAAAAAAAAMAAAAAQAAAAAAAAAAAAAAAAAAAB8AAABUAAAAAAAABQAAAAEAAAAAAAAAAAAAAAAAAAAAAAAAAAAAAAAAAAAAAAAAAAAAAAJ/f38AAAAAA8zMzADAwP8Af39/AAAAAAAAAAAAAAAAAAAAAAAAAAAAIQAAABgAAAAUAAAAwAMAAKcWAACwJAAAUiIAABAAAAAmAAAACAAAAD0gAAAAAAAA"/>
+                <pr:smNativeData xmlns:mc="http://schemas.openxmlformats.org/markup-compatibility/2006" xmlns:p14="http://schemas.microsoft.com/office/powerpoint/2010/main" xmlns:p15="http://schemas.microsoft.com/office/powerpoint/2012/main" xmlns:pr="smNativeData" xmlns="smNativeData" val="SMDATA_15_q5OGZBMAAAAlAAAAZAAAAA0AAAAAAAAAAAAAAAAAAAAAAAAAAAAAAAAAAAAAAAAAAAEAAABQAAAAAAAAAAAA4D8AAAAAAADgPwAAAAAAAOA/AAAAAAAA4D8AAAAAAADgPwAAAAAAAOA/AAAAAAAA4D8AAAAAAADgPwAAAAAAAOA/AAAAAAAA4D8CAAAAjAAAAAAAAAAAAAAARHLEDP///wgAAAAAAAAAAAAAAAAAAAAAAAAAAAAAAAAAAAAAZAAAAAEAAABAAAAAAAAAAAAAAAAAAAAAAAAAAAAAAAAAAAAAAAAAAAAAAAAAAAAAAAAAAAAAAAAAAAAAAAAAAAAAAAAAAAAAAAAAAAAAAAAAAAAAAAAAAAAAAAAAAAAAFAAAADwAAAAAAAAAAAAAAAAAAAkUAAAAAQAAABQAAAAUAAAAFAAAAAEAAAAAAAAAZAAAAGQAAAAAAAAAZAAAAGQAAAAVAAAAYAAAAAAAAAAAAAAADwAAACADAAAAAAAAAAAAAAEAAACgMgAAVgcAAKr4//8BAAAAf39/AAEAAABkAAAAAAAAABQAAABAHwAAAAAAACYAAAAAAAAAwOD//wAAAAAmAAAAZAAAABYAAABMAAAAAAAAAAAAAAAEAAAAAAAAAAEAAADn5uYKAAAAACgAAAAoAAAAZAAAAGQAAAAAAAAAzMzMAAAAAABQAAAAUAAAAGQAAABkAAAAAAAAABcAAAAUAAAAAAAAAAAAAAD/fwAA/38AAAAAAAAJAAAABAAAAAAAAAAeAAAAaAAAAAAAAAAAAAAAAAAAAAAAAAAAAAAAECcAABAnAAAAAAAAAAAAAAAAAAAAAAAAAAAAAAAAAAAAAAAAAAAAABQAAAAAAAAAwMD/AAAAAABkAAAAMgAAAAAAAABkAAAAAAAAAH9/fwAKAAAAIgAAABgAAAAAAAAAAAAAAAAAAAAAAAAAAAAAAAAAAAAkAAAAJAAAAAAAAAAHAAAAAAAAAAAAAAAAAAAAAAAAAAAAAAAAAAAAf39/ACUAAABYAAAAAAAAAAAAAAAAAAAAAAAAAAAAAAAAAAAAAAAAAAAAAAAAAAAAAAAAAAAAAAA/AAAAAAAAAKCGAQAAAAAAAAAAAAAAAAAMAAAAAQAAAAAAAAAAAAAAAAAAAB8AAABUAAAAAAAABQAAAAEAAAAAAAAAAAAAAAAAAAAAAAAAAAAAAAAAAAAAAAAAAAAAAAJ/f38AAAAAA8zMzADAwP8Af39/AAAAAAAAAAAAAAAAAAAAAAAAAAAAIQAAABgAAAAUAAAAwAMAAKcWAACwJAAAUiIAABAAAAAmAAAACAAAAD0gAAAAAAAA"/>
               </a:ext>
             </a:extLst>
           </p:cNvSpPr>
@@ -5555,7 +5558,7 @@
             <a:spLocks noGrp="1" noChangeArrowheads="1"/>
             <a:extLst>
               <a:ext uri="smNativeData">
-                <pr:smNativeData xmlns="smNativeData" xmlns:pr="smNativeData" xmlns:p15="http://schemas.microsoft.com/office/powerpoint/2012/main" xmlns:p14="http://schemas.microsoft.com/office/powerpoint/2010/main" xmlns:mc="http://schemas.openxmlformats.org/markup-compatibility/2006" val="SMDATA_15_q5OGZBMAAAAlAAAAZAAAAA0AAAAAAAAAAAAAAAAAAAAAAAAAAAAAAAAAAAAAAAAAAAEAAABQAAAAAAAAAAAA4D8AAAAAAADgPwAAAAAAAOA/AAAAAAAA4D8AAAAAAADgPwAAAAAAAOA/AAAAAAAA4D8AAAAAAADgPwAAAAAAAOA/AAAAAAAA4D8CAAAAjAAAAAAAAAAAAAAARHLEDP///wgAAAAAAAAAAAAAAAAAAAAAAAAAAAAAAAAAAAAAZAAAAAEAAABAAAAAAAAAAAAAAAAAAAAAAAAAAAAAAAAAAAAAAAAAAAAAAAAAAAAAAAAAAAAAAAAAAAAAAAAAAAAAAAAAAAAAAAAAAAAAAAAAAAAAAAAAAAAAAAAAAAAAFAAAADwAAAAAAAAAAAAAAAAAAAkUAAAAAQAAABQAAAAUAAAAFAAAAAEAAAAAAAAAZAAAAGQAAAAAAAAAZAAAAGQAAAAVAAAAYAAAAAAAAAAAAAAADwAAACADAAAAAAAAAAAAAAEAAACgMgAAVgcAAKr4//8BAAAAf39/AAEAAABkAAAAAAAAABQAAABAHwAAAAAAACYAAAAAAAAAwOD//wAAAAAmAAAAZAAAABYAAABMAAAAAAAAAAAAAAAEAAAAAAAAAAEAAADn5uYKAAAAACgAAAAoAAAAZAAAAGQAAAAAAAAAzMzMAAAAAABQAAAAUAAAAGQAAABkAAAAAAAAABcAAAAUAAAAAAAAAAAAAAD/fwAA/38AAAAAAAAJAAAABAAAAAAAAAAeAAAAaAAAAAAAAAAAAAAAAAAAAAAAAAAAAAAAECcAABAnAAAAAAAAAAAAAAAAAAAAAAAAAAAAAAAAAAAAAAAAAAAAABQAAAAAAAAAwMD/AAAAAABkAAAAMgAAAAAAAABkAAAAAAAAAH9/fwAKAAAAIgAAABgAAAAAAAAAAAAAAAAAAAAAAAAAAAAAAAAAAAAkAAAAJAAAAAAAAAAHAAAAAAAAAAAAAAAAAAAAAAAAAAAAAAAAAAAAf39/ACUAAABYAAAAAAAAAAAAAAAAAAAAAAAAAAAAAAAAAAAAAAAAAAAAAAAAAAAAAAAAAAAAAAA/AAAAAAAAAKCGAQAAAAAAAAAAAAAAAAAMAAAAAQAAAAAAAAAAAAAAAAAAAB8AAABUAAAAAAAABQAAAAEAAAAAAAAAAAAAAAAAAAAAAAAAAAAAAAAAAAAAAAAAAAAAAAJ/f38AAAAAA8zMzADAwP8Af39/AAAAAAAAAAAAAAAAAAAAAAAAAAAAIQAAABgAAAAUAAAAViYAAKcWAABGRwAAUiIAABAAAAAmAAAACAAAAD0gAAAAAAAA"/>
+                <pr:smNativeData xmlns:mc="http://schemas.openxmlformats.org/markup-compatibility/2006" xmlns:p14="http://schemas.microsoft.com/office/powerpoint/2010/main" xmlns:p15="http://schemas.microsoft.com/office/powerpoint/2012/main" xmlns:pr="smNativeData" xmlns="smNativeData" val="SMDATA_15_q5OGZBMAAAAlAAAAZAAAAA0AAAAAAAAAAAAAAAAAAAAAAAAAAAAAAAAAAAAAAAAAAAEAAABQAAAAAAAAAAAA4D8AAAAAAADgPwAAAAAAAOA/AAAAAAAA4D8AAAAAAADgPwAAAAAAAOA/AAAAAAAA4D8AAAAAAADgPwAAAAAAAOA/AAAAAAAA4D8CAAAAjAAAAAAAAAAAAAAARHLEDP///wgAAAAAAAAAAAAAAAAAAAAAAAAAAAAAAAAAAAAAZAAAAAEAAABAAAAAAAAAAAAAAAAAAAAAAAAAAAAAAAAAAAAAAAAAAAAAAAAAAAAAAAAAAAAAAAAAAAAAAAAAAAAAAAAAAAAAAAAAAAAAAAAAAAAAAAAAAAAAAAAAAAAAFAAAADwAAAAAAAAAAAAAAAAAAAkUAAAAAQAAABQAAAAUAAAAFAAAAAEAAAAAAAAAZAAAAGQAAAAAAAAAZAAAAGQAAAAVAAAAYAAAAAAAAAAAAAAADwAAACADAAAAAAAAAAAAAAEAAACgMgAAVgcAAKr4//8BAAAAf39/AAEAAABkAAAAAAAAABQAAABAHwAAAAAAACYAAAAAAAAAwOD//wAAAAAmAAAAZAAAABYAAABMAAAAAAAAAAAAAAAEAAAAAAAAAAEAAADn5uYKAAAAACgAAAAoAAAAZAAAAGQAAAAAAAAAzMzMAAAAAABQAAAAUAAAAGQAAABkAAAAAAAAABcAAAAUAAAAAAAAAAAAAAD/fwAA/38AAAAAAAAJAAAABAAAAAAAAAAeAAAAaAAAAAAAAAAAAAAAAAAAAAAAAAAAAAAAECcAABAnAAAAAAAAAAAAAAAAAAAAAAAAAAAAAAAAAAAAAAAAAAAAABQAAAAAAAAAwMD/AAAAAABkAAAAMgAAAAAAAABkAAAAAAAAAH9/fwAKAAAAIgAAABgAAAAAAAAAAAAAAAAAAAAAAAAAAAAAAAAAAAAkAAAAJAAAAAAAAAAHAAAAAAAAAAAAAAAAAAAAAAAAAAAAAAAAAAAAf39/ACUAAABYAAAAAAAAAAAAAAAAAAAAAAAAAAAAAAAAAAAAAAAAAAAAAAAAAAAAAAAAAAAAAAA/AAAAAAAAAKCGAQAAAAAAAAAAAAAAAAAMAAAAAQAAAAAAAAAAAAAAAAAAAB8AAABUAAAAAAAABQAAAAEAAAAAAAAAAAAAAAAAAAAAAAAAAAAAAAAAAAAAAAAAAAAAAAJ/f38AAAAAA8zMzADAwP8Af39/AAAAAAAAAAAAAAAAAAAAAAAAAAAAIQAAABgAAAAUAAAAViYAAKcWAABGRwAAUiIAABAAAAAmAAAACAAAAD0gAAAAAAAA"/>
               </a:ext>
             </a:extLst>
           </p:cNvSpPr>
@@ -5616,7 +5619,7 @@
             <a:spLocks noGrp="1" noChangeArrowheads="1"/>
             <a:extLst>
               <a:ext uri="smNativeData">
-                <pr:smNativeData xmlns="smNativeData" xmlns:pr="smNativeData" xmlns:p15="http://schemas.microsoft.com/office/powerpoint/2012/main" xmlns:p14="http://schemas.microsoft.com/office/powerpoint/2010/main" xmlns:mc="http://schemas.openxmlformats.org/markup-compatibility/2006" val="SMDATA_15_q5OGZBMAAAAlAAAAZAAAAA0AAAAAAAAAAAAAAAAAAAAAAAAAAAAAAAABAAAAAAAAAAEAAABQAAAAAAAAAAAA4D8AAAAAAADgPwAAAAAAAOA/AAAAAAAA4D8AAAAAAADgPwAAAAAAAOA/AAAAAAAA4D8AAAAAAADgPwAAAAAAAOA/AAAAAAAA4D8CAAAAjAAAAAAAAAAAAAAARHLEDP///wgAAAAAAAAAAAAAAAAAAAAAAAAAAAAAAAAAAAAAZAAAAAEAAABAAAAAAAAAAAAAAAAAAAAAAAAAAAAAAAAAAAAAAAAAAAAAAAAAAAAAAAAAAAAAAAAAAAAAAAAAAAAAAAAAAAAAAAAAAAAAAAAAAAAAAAAAAAAAAAAAAAAAFAAAADwAAAAAAAAAAAAAAAAAAAkUAAAAAQAAABQAAAAUAAAAFAAAAAEAAAAAAAAAZAAAAGQAAAAAAAAAZAAAAGQAAAAVAAAAYAAAAAAAAAAAAAAADwAAACADAAAAAAAAAAAAAAEAAACgMgAAVgcAAKr4//8BAAAAf39/AAEAAABkAAAAAAAAABQAAABAHwAAAAAAACYAAAAAAAAAwOD//wAAAAAmAAAAZAAAABYAAABMAAAAAAAAAAAAAAAEAAAAAAAAAAEAAADn5uYKAAAAACgAAAAoAAAAZAAAAGQAAAAAAAAAzMzMAAAAAABQAAAAUAAAAGQAAABkAAAAAAAAABcAAAAUAAAAAAAAAAAAAAD/fwAA/38AAAAAAAAJAAAABAAAAAAAAAAeAAAAaAAAAAAAAAAAAAAAAAAAAAAAAAAAAAAAECcAABAnAAAAAAAAAAAAAAAAAAAAAAAAAAAAAAAAAAAAAAAAAAAAABQAAAAAAAAAwMD/AAAAAABkAAAAMgAAAAAAAABkAAAAAAAAAH9/fwAKAAAAIgAAABgAAAAAAAAAAAAAAAAAAAAAAAAAAAAAAAAAAAAkAAAAJAAAAAAAAAAHAAAAAAAAAAAAAAAAAAAAAAAAAAAAAAAAAAAAf39/ACUAAABYAAAAAAAAAAAAAAAAAAAAAAAAAAAAAAAAAAAAAAAAAAAAAAAAAAAAAAAAAAAAAAA/AAAAAAAAAKCGAQAAAAAAAAAAAAAAAAAMAAAAAQAAAAAAAAAAAAAAAAAAAB8AAABUAAAAAAAABQAAAAEAAAAAAAAAAAAAAAAAAAAAAAAAAAAAAAAAAAAAAAAAAAAAAAJ/f38AAAAAA8zMzADAwP8Af39/AAAAAAAAAAAAAAAAAAAAAAAAAAAAIQAAABgAAAAUAAAAwAMAAK8BAAA/RwAAuggAABAAAAAmAAAACAAAADwgAAAAAAAA"/>
+                <pr:smNativeData xmlns:mc="http://schemas.openxmlformats.org/markup-compatibility/2006" xmlns:p14="http://schemas.microsoft.com/office/powerpoint/2010/main" xmlns:p15="http://schemas.microsoft.com/office/powerpoint/2012/main" xmlns:pr="smNativeData" xmlns="smNativeData" val="SMDATA_15_q5OGZBMAAAAlAAAAZAAAAA0AAAAAAAAAAAAAAAAAAAAAAAAAAAAAAAABAAAAAAAAAAEAAABQAAAAAAAAAAAA4D8AAAAAAADgPwAAAAAAAOA/AAAAAAAA4D8AAAAAAADgPwAAAAAAAOA/AAAAAAAA4D8AAAAAAADgPwAAAAAAAOA/AAAAAAAA4D8CAAAAjAAAAAAAAAAAAAAARHLEDP///wgAAAAAAAAAAAAAAAAAAAAAAAAAAAAAAAAAAAAAZAAAAAEAAABAAAAAAAAAAAAAAAAAAAAAAAAAAAAAAAAAAAAAAAAAAAAAAAAAAAAAAAAAAAAAAAAAAAAAAAAAAAAAAAAAAAAAAAAAAAAAAAAAAAAAAAAAAAAAAAAAAAAAFAAAADwAAAAAAAAAAAAAAAAAAAkUAAAAAQAAABQAAAAUAAAAFAAAAAEAAAAAAAAAZAAAAGQAAAAAAAAAZAAAAGQAAAAVAAAAYAAAAAAAAAAAAAAADwAAACADAAAAAAAAAAAAAAEAAACgMgAAVgcAAKr4//8BAAAAf39/AAEAAABkAAAAAAAAABQAAABAHwAAAAAAACYAAAAAAAAAwOD//wAAAAAmAAAAZAAAABYAAABMAAAAAAAAAAAAAAAEAAAAAAAAAAEAAADn5uYKAAAAACgAAAAoAAAAZAAAAGQAAAAAAAAAzMzMAAAAAABQAAAAUAAAAGQAAABkAAAAAAAAABcAAAAUAAAAAAAAAAAAAAD/fwAA/38AAAAAAAAJAAAABAAAAAAAAAAeAAAAaAAAAAAAAAAAAAAAAAAAAAAAAAAAAAAAECcAABAnAAAAAAAAAAAAAAAAAAAAAAAAAAAAAAAAAAAAAAAAAAAAABQAAAAAAAAAwMD/AAAAAABkAAAAMgAAAAAAAABkAAAAAAAAAH9/fwAKAAAAIgAAABgAAAAAAAAAAAAAAAAAAAAAAAAAAAAAAAAAAAAkAAAAJAAAAAAAAAAHAAAAAAAAAAAAAAAAAAAAAAAAAAAAAAAAAAAAf39/ACUAAABYAAAAAAAAAAAAAAAAAAAAAAAAAAAAAAAAAAAAAAAAAAAAAAAAAAAAAAAAAAAAAAA/AAAAAAAAAKCGAQAAAAAAAAAAAAAAAAAMAAAAAQAAAAAAAAAAAAAAAAAAAB8AAABUAAAAAAAABQAAAAEAAAAAAAAAAAAAAAAAAAAAAAAAAAAAAAAAAAAAAAAAAAAAAAJ/f38AAAAAA8zMzADAwP8Af39/AAAAAAAAAAAAAAAAAAAAAAAAAAAAIQAAABgAAAAUAAAAwAMAAK8BAAA/RwAAuggAABAAAAAmAAAACAAAADwgAAAAAAAA"/>
               </a:ext>
             </a:extLst>
           </p:cNvSpPr>
@@ -5647,7 +5650,7 @@
             <a:spLocks noGrp="1" noChangeArrowheads="1"/>
             <a:extLst>
               <a:ext uri="smNativeData">
-                <pr:smNativeData xmlns="smNativeData" xmlns:pr="smNativeData" xmlns:p15="http://schemas.microsoft.com/office/powerpoint/2012/main" xmlns:p14="http://schemas.microsoft.com/office/powerpoint/2010/main" xmlns:mc="http://schemas.openxmlformats.org/markup-compatibility/2006" val="SMDATA_15_q5OGZBMAAAAlAAAAZAAAAA0AAAAAAAAAAAAAAAAAAAAAAAAAAAAAAAAAAAAAAAAAAAEAAABQAAAAAAAAAAAA4D8AAAAAAADgPwAAAAAAAOA/AAAAAAAA4D8AAAAAAADgPwAAAAAAAOA/AAAAAAAA4D8AAAAAAADgPwAAAAAAAOA/AAAAAAAA4D8CAAAAjAAAAAAAAAAAAAAARHLEDP///wgAAAAAAAAAAAAAAAAAAAAAAAAAAAAAAAAAAAAAZAAAAAEAAABAAAAAAAAAAAAAAAAAAAAAAAAAAAAAAAAAAAAAAAAAAAAAAAAAAAAAAAAAAAAAAAAAAAAAAAAAAAAAAAAAAAAAAAAAAAAAAAAAAAAAAAAAAAAAAAAAAAAAFAAAADwAAAAAAAAAAAAAAAAAAAkUAAAAAQAAABQAAAAUAAAAFAAAAAEAAAAAAAAAZAAAAGQAAAAAAAAAZAAAAGQAAAAVAAAAYAAAAAAAAAAAAAAADwAAACADAAAAAAAAAAAAAAEAAACgMgAAVgcAAKr4//8BAAAAf39/AAEAAABkAAAAAAAAABQAAABAHwAAAAAAACYAAAAAAAAAwOD//wAAAAAmAAAAZAAAABYAAABMAAAAAAAAAAAAAAAEAAAAAAAAAAEAAADn5uYKAAAAACgAAAAoAAAAZAAAAGQAAAAAAAAAzMzMAAAAAABQAAAAUAAAAGQAAABkAAAAAAAAABcAAAAUAAAAAAAAAAAAAAD/fwAA/38AAAAAAAAJAAAABAAAAAAAAAAeAAAAaAAAAAAAAAAAAAAAAAAAAAAAAAAAAAAAECcAABAnAAAAAAAAAAAAAAAAAAAAAAAAAAAAAAAAAAAAAAAAAAAAABQAAAAAAAAAwMD/AAAAAABkAAAAMgAAAAAAAABkAAAAAAAAAH9/fwAKAAAAIgAAABgAAAAAAAAAAAAAAAAAAAAAAAAAAAAAAAAAAAAkAAAAJAAAAAAAAAAHAAAAAAAAAAAAAAAAAAAAAAAAAAAAAAAAAAAAf39/ACUAAABYAAAAAAAAAAAAAAAAAAAAAAAAAAAAAAAAAAAAAAAAAAAAAAAAAAAAAAAAAAAAAAA/AAAAAAAAAKCGAQAAAAAAAAAAAAAAAAAMAAAAAQAAAAAAAAAAAAAAAAAAAB8AAABUAAAAAAAABQAAAAEAAAAAAAAAAAAAAAAAAAAAAAAAAAAAAAAAAAAAAAAAAAAAAAJ/f38AAAAAA8zMzADAwP8Af39/AAAAAAAAAAAAAAAAAAAAAAAAAAAAIQAAABgAAAAUAAAAwAMAAN8JAAB8GQAAihUAABAAAAAmAAAACAAAAD0gAAAAAAAA"/>
+                <pr:smNativeData xmlns:mc="http://schemas.openxmlformats.org/markup-compatibility/2006" xmlns:p14="http://schemas.microsoft.com/office/powerpoint/2010/main" xmlns:p15="http://schemas.microsoft.com/office/powerpoint/2012/main" xmlns:pr="smNativeData" xmlns="smNativeData" val="SMDATA_15_q5OGZBMAAAAlAAAAZAAAAA0AAAAAAAAAAAAAAAAAAAAAAAAAAAAAAAAAAAAAAAAAAAEAAABQAAAAAAAAAAAA4D8AAAAAAADgPwAAAAAAAOA/AAAAAAAA4D8AAAAAAADgPwAAAAAAAOA/AAAAAAAA4D8AAAAAAADgPwAAAAAAAOA/AAAAAAAA4D8CAAAAjAAAAAAAAAAAAAAARHLEDP///wgAAAAAAAAAAAAAAAAAAAAAAAAAAAAAAAAAAAAAZAAAAAEAAABAAAAAAAAAAAAAAAAAAAAAAAAAAAAAAAAAAAAAAAAAAAAAAAAAAAAAAAAAAAAAAAAAAAAAAAAAAAAAAAAAAAAAAAAAAAAAAAAAAAAAAAAAAAAAAAAAAAAAFAAAADwAAAAAAAAAAAAAAAAAAAkUAAAAAQAAABQAAAAUAAAAFAAAAAEAAAAAAAAAZAAAAGQAAAAAAAAAZAAAAGQAAAAVAAAAYAAAAAAAAAAAAAAADwAAACADAAAAAAAAAAAAAAEAAACgMgAAVgcAAKr4//8BAAAAf39/AAEAAABkAAAAAAAAABQAAABAHwAAAAAAACYAAAAAAAAAwOD//wAAAAAmAAAAZAAAABYAAABMAAAAAAAAAAAAAAAEAAAAAAAAAAEAAADn5uYKAAAAACgAAAAoAAAAZAAAAGQAAAAAAAAAzMzMAAAAAABQAAAAUAAAAGQAAABkAAAAAAAAABcAAAAUAAAAAAAAAAAAAAD/fwAA/38AAAAAAAAJAAAABAAAAAAAAAAeAAAAaAAAAAAAAAAAAAAAAAAAAAAAAAAAAAAAECcAABAnAAAAAAAAAAAAAAAAAAAAAAAAAAAAAAAAAAAAAAAAAAAAABQAAAAAAAAAwMD/AAAAAABkAAAAMgAAAAAAAABkAAAAAAAAAH9/fwAKAAAAIgAAABgAAAAAAAAAAAAAAAAAAAAAAAAAAAAAAAAAAAAkAAAAJAAAAAAAAAAHAAAAAAAAAAAAAAAAAAAAAAAAAAAAAAAAAAAAf39/ACUAAABYAAAAAAAAAAAAAAAAAAAAAAAAAAAAAAAAAAAAAAAAAAAAAAAAAAAAAAAAAAAAAAA/AAAAAAAAAKCGAQAAAAAAAAAAAAAAAAAMAAAAAQAAAAAAAAAAAAAAAAAAAB8AAABUAAAAAAAABQAAAAEAAAAAAAAAAAAAAAAAAAAAAAAAAAAAAAAAAAAAAAAAAAAAAAJ/f38AAAAAA8zMzADAwP8Af39/AAAAAAAAAAAAAAAAAAAAAAAAAAAAIQAAABgAAAAUAAAAwAMAAN8JAAB8GQAAihUAABAAAAAmAAAACAAAAD0gAAAAAAAA"/>
               </a:ext>
             </a:extLst>
           </p:cNvSpPr>
@@ -5683,7 +5686,7 @@
             <a:spLocks noGrp="1" noChangeArrowheads="1"/>
             <a:extLst>
               <a:ext uri="smNativeData">
-                <pr:smNativeData xmlns="smNativeData" xmlns:pr="smNativeData" xmlns:p15="http://schemas.microsoft.com/office/powerpoint/2012/main" xmlns:p14="http://schemas.microsoft.com/office/powerpoint/2010/main" xmlns:mc="http://schemas.openxmlformats.org/markup-compatibility/2006" val="SMDATA_15_q5OGZBMAAAAlAAAAZAAAAA0AAAAAAAAAAAAAAAAAAAAAAAAAAAAAAAAAAAAAAAAAAAEAAABQAAAAAAAAAAAA4D8AAAAAAADgPwAAAAAAAOA/AAAAAAAA4D8AAAAAAADgPwAAAAAAAOA/AAAAAAAA4D8AAAAAAADgPwAAAAAAAOA/AAAAAAAA4D8CAAAAjAAAAAAAAAAAAAAARHLEDP///wgAAAAAAAAAAAAAAAAAAAAAAAAAAAAAAAAAAAAAZAAAAAEAAABAAAAAAAAAAAAAAAAAAAAAAAAAAAAAAAAAAAAAAAAAAAAAAAAAAAAAAAAAAAAAAAAAAAAAAAAAAAAAAAAAAAAAAAAAAAAAAAAAAAAAAAAAAAAAAAAAAAAAFAAAADwAAAAAAAAAAAAAAAAAAAkUAAAAAQAAABQAAAAUAAAAFAAAAAEAAAAAAAAAZAAAAGQAAAAAAAAAZAAAAGQAAAAVAAAAYAAAAAAAAAAAAAAADwAAACADAAAAAAAAAAAAAAEAAACgMgAAVgcAAKr4//8BAAAAf39/AAEAAABkAAAAAAAAABQAAABAHwAAAAAAACYAAAAAAAAAwOD//wAAAAAmAAAAZAAAABYAAABMAAAAAAAAAAAAAAAEAAAAAAAAAAEAAADn5uYKAAAAACgAAAAoAAAAZAAAAGQAAAAAAAAAzMzMAAAAAABQAAAAUAAAAGQAAABkAAAAAAAAABcAAAAUAAAAAAAAAAAAAAD/fwAA/38AAAAAAAAJAAAABAAAAAAAAAAeAAAAaAAAAAAAAAAAAAAAAAAAAAAAAAAAAAAAECcAABAnAAAAAAAAAAAAAAAAAAAAAAAAAAAAAAAAAAAAAAAAAAAAABQAAAAAAAAAwMD/AAAAAABkAAAAMgAAAAAAAABkAAAAAAAAAH9/fwAKAAAAIgAAABgAAAAAAAAAAAAAAAAAAAAAAAAAAAAAAAAAAAAkAAAAJAAAAAAAAAAHAAAAAAAAAAAAAAAAAAAAAAAAAAAAAAAAAAAAf39/ACUAAABYAAAAAAAAAAAAAAAAAAAAAAAAAAAAAAAAAAAAAAAAAAAAAAAAAAAAAAAAAAAAAAA/AAAAAAAAAKCGAQAAAAAAAAAAAAAAAAAMAAAAAQAAAAAAAAAAAAAAAAAAAB8AAABUAAAAAAAABQAAAAEAAAAAAAAAAAAAAAAAAAAAAAAAAAAAAAAAAAAAAAAAAAAAAAJ/f38AAAAAA8zMzADAwP8Af39/AAAAAAAAAAAAAAAAAAAAAAAAAAAAIQAAABgAAAAUAAAAkxoAAN8JAABOMAAAihUAABAAAAAmAAAACAAAAD0gAAAAAAAA"/>
+                <pr:smNativeData xmlns:mc="http://schemas.openxmlformats.org/markup-compatibility/2006" xmlns:p14="http://schemas.microsoft.com/office/powerpoint/2010/main" xmlns:p15="http://schemas.microsoft.com/office/powerpoint/2012/main" xmlns:pr="smNativeData" xmlns="smNativeData" val="SMDATA_15_q5OGZBMAAAAlAAAAZAAAAA0AAAAAAAAAAAAAAAAAAAAAAAAAAAAAAAAAAAAAAAAAAAEAAABQAAAAAAAAAAAA4D8AAAAAAADgPwAAAAAAAOA/AAAAAAAA4D8AAAAAAADgPwAAAAAAAOA/AAAAAAAA4D8AAAAAAADgPwAAAAAAAOA/AAAAAAAA4D8CAAAAjAAAAAAAAAAAAAAARHLEDP///wgAAAAAAAAAAAAAAAAAAAAAAAAAAAAAAAAAAAAAZAAAAAEAAABAAAAAAAAAAAAAAAAAAAAAAAAAAAAAAAAAAAAAAAAAAAAAAAAAAAAAAAAAAAAAAAAAAAAAAAAAAAAAAAAAAAAAAAAAAAAAAAAAAAAAAAAAAAAAAAAAAAAAFAAAADwAAAAAAAAAAAAAAAAAAAkUAAAAAQAAABQAAAAUAAAAFAAAAAEAAAAAAAAAZAAAAGQAAAAAAAAAZAAAAGQAAAAVAAAAYAAAAAAAAAAAAAAADwAAACADAAAAAAAAAAAAAAEAAACgMgAAVgcAAKr4//8BAAAAf39/AAEAAABkAAAAAAAAABQAAABAHwAAAAAAACYAAAAAAAAAwOD//wAAAAAmAAAAZAAAABYAAABMAAAAAAAAAAAAAAAEAAAAAAAAAAEAAADn5uYKAAAAACgAAAAoAAAAZAAAAGQAAAAAAAAAzMzMAAAAAABQAAAAUAAAAGQAAABkAAAAAAAAABcAAAAUAAAAAAAAAAAAAAD/fwAA/38AAAAAAAAJAAAABAAAAAAAAAAeAAAAaAAAAAAAAAAAAAAAAAAAAAAAAAAAAAAAECcAABAnAAAAAAAAAAAAAAAAAAAAAAAAAAAAAAAAAAAAAAAAAAAAABQAAAAAAAAAwMD/AAAAAABkAAAAMgAAAAAAAABkAAAAAAAAAH9/fwAKAAAAIgAAABgAAAAAAAAAAAAAAAAAAAAAAAAAAAAAAAAAAAAkAAAAJAAAAAAAAAAHAAAAAAAAAAAAAAAAAAAAAAAAAAAAAAAAAAAAf39/ACUAAABYAAAAAAAAAAAAAAAAAAAAAAAAAAAAAAAAAAAAAAAAAAAAAAAAAAAAAAAAAAAAAAA/AAAAAAAAAKCGAQAAAAAAAAAAAAAAAAAMAAAAAQAAAAAAAAAAAAAAAAAAAB8AAABUAAAAAAAABQAAAAEAAAAAAAAAAAAAAAAAAAAAAAAAAAAAAAAAAAAAAAAAAAAAAAJ/f38AAAAAA8zMzADAwP8Af39/AAAAAAAAAAAAAAAAAAAAAAAAAAAAIQAAABgAAAAUAAAAkxoAAN8JAABOMAAAihUAABAAAAAmAAAACAAAAD0gAAAAAAAA"/>
               </a:ext>
             </a:extLst>
           </p:cNvSpPr>
@@ -5719,7 +5722,7 @@
             <a:spLocks noGrp="1" noChangeArrowheads="1"/>
             <a:extLst>
               <a:ext uri="smNativeData">
-                <pr:smNativeData xmlns="smNativeData" xmlns:pr="smNativeData" xmlns:p15="http://schemas.microsoft.com/office/powerpoint/2012/main" xmlns:p14="http://schemas.microsoft.com/office/powerpoint/2010/main" xmlns:mc="http://schemas.openxmlformats.org/markup-compatibility/2006" val="SMDATA_15_q5OGZBMAAAAlAAAAZAAAAA0AAAAAAAAAAAAAAAAAAAAAAAAAAAAAAAAAAAAAAAAAAAEAAABQAAAAAAAAAAAA4D8AAAAAAADgPwAAAAAAAOA/AAAAAAAA4D8AAAAAAADgPwAAAAAAAOA/AAAAAAAA4D8AAAAAAADgPwAAAAAAAOA/AAAAAAAA4D8CAAAAjAAAAAAAAAAAAAAARHLEDP///wgAAAAAAAAAAAAAAAAAAAAAAAAAAAAAAAAAAAAAZAAAAAEAAABAAAAAAAAAAAAAAAAAAAAAAAAAAAAAAAAAAAAAAAAAAAAAAAAAAAAAAAAAAAAAAAAAAAAAAAAAAAAAAAAAAAAAAAAAAAAAAAAAAAAAAAAAAAAAAAAAAAAAFAAAADwAAAAAAAAAAAAAAAAAAAkUAAAAAQAAABQAAAAUAAAAFAAAAAEAAAAAAAAAZAAAAGQAAAAAAAAAZAAAAGQAAAAVAAAAYAAAAAAAAAAAAAAADwAAACADAAAAAAAAAAAAAAEAAACgMgAAVgcAAKr4//8BAAAAf39/AAEAAABkAAAAAAAAABQAAABAHwAAAAAAACYAAAAAAAAAwOD//wAAAAAmAAAAZAAAABYAAABMAAAAAAAAAAAAAAAEAAAAAAAAAAEAAADn5uYKAAAAACgAAAAoAAAAZAAAAGQAAAAAAAAAzMzMAAAAAABQAAAAUAAAAGQAAABkAAAAAAAAABcAAAAUAAAAAAAAAAAAAAD/fwAA/38AAAAAAAAJAAAABAAAAAAAAAAeAAAAaAAAAAAAAAAAAAAAAAAAAAAAAAAAAAAAECcAABAnAAAAAAAAAAAAAAAAAAAAAAAAAAAAAAAAAAAAAAAAAAAAABQAAAAAAAAAwMD/AAAAAABkAAAAMgAAAAAAAABkAAAAAAAAAH9/fwAKAAAAIgAAABgAAAAAAAAAAAAAAAAAAAAAAAAAAAAAAAAAAAAkAAAAJAAAAAAAAAAHAAAAAAAAAAAAAAAAAAAAAAAAAAAAAAAAAAAAf39/ACUAAABYAAAAAAAAAAAAAAAAAAAAAAAAAAAAAAAAAAAAAAAAAAAAAAAAAAAAAAAAAAAAAAA/AAAAAAAAAKCGAQAAAAAAAAAAAAAAAAAMAAAAAQAAAAAAAAAAAAAAAAAAAB8AAABUAAAAAAAABQAAAAEAAAAAAAAAAAAAAAAAAAAAAAAAAAAAAAAAAAAAAAAAAAAAAAJ/f38AAAAAA8zMzADAwP8Af39/AAAAAAAAAAAAAAAAAAAAAAAAAAAAIQAAABgAAAAUAAAAZTEAAN8JAAAhRwAAihUAABAAAAAmAAAACAAAAD0gAAAAAAAA"/>
+                <pr:smNativeData xmlns:mc="http://schemas.openxmlformats.org/markup-compatibility/2006" xmlns:p14="http://schemas.microsoft.com/office/powerpoint/2010/main" xmlns:p15="http://schemas.microsoft.com/office/powerpoint/2012/main" xmlns:pr="smNativeData" xmlns="smNativeData" val="SMDATA_15_q5OGZBMAAAAlAAAAZAAAAA0AAAAAAAAAAAAAAAAAAAAAAAAAAAAAAAAAAAAAAAAAAAEAAABQAAAAAAAAAAAA4D8AAAAAAADgPwAAAAAAAOA/AAAAAAAA4D8AAAAAAADgPwAAAAAAAOA/AAAAAAAA4D8AAAAAAADgPwAAAAAAAOA/AAAAAAAA4D8CAAAAjAAAAAAAAAAAAAAARHLEDP///wgAAAAAAAAAAAAAAAAAAAAAAAAAAAAAAAAAAAAAZAAAAAEAAABAAAAAAAAAAAAAAAAAAAAAAAAAAAAAAAAAAAAAAAAAAAAAAAAAAAAAAAAAAAAAAAAAAAAAAAAAAAAAAAAAAAAAAAAAAAAAAAAAAAAAAAAAAAAAAAAAAAAAFAAAADwAAAAAAAAAAAAAAAAAAAkUAAAAAQAAABQAAAAUAAAAFAAAAAEAAAAAAAAAZAAAAGQAAAAAAAAAZAAAAGQAAAAVAAAAYAAAAAAAAAAAAAAADwAAACADAAAAAAAAAAAAAAEAAACgMgAAVgcAAKr4//8BAAAAf39/AAEAAABkAAAAAAAAABQAAABAHwAAAAAAACYAAAAAAAAAwOD//wAAAAAmAAAAZAAAABYAAABMAAAAAAAAAAAAAAAEAAAAAAAAAAEAAADn5uYKAAAAACgAAAAoAAAAZAAAAGQAAAAAAAAAzMzMAAAAAABQAAAAUAAAAGQAAABkAAAAAAAAABcAAAAUAAAAAAAAAAAAAAD/fwAA/38AAAAAAAAJAAAABAAAAAAAAAAeAAAAaAAAAAAAAAAAAAAAAAAAAAAAAAAAAAAAECcAABAnAAAAAAAAAAAAAAAAAAAAAAAAAAAAAAAAAAAAAAAAAAAAABQAAAAAAAAAwMD/AAAAAABkAAAAMgAAAAAAAABkAAAAAAAAAH9/fwAKAAAAIgAAABgAAAAAAAAAAAAAAAAAAAAAAAAAAAAAAAAAAAAkAAAAJAAAAAAAAAAHAAAAAAAAAAAAAAAAAAAAAAAAAAAAAAAAAAAAf39/ACUAAABYAAAAAAAAAAAAAAAAAAAAAAAAAAAAAAAAAAAAAAAAAAAAAAAAAAAAAAAAAAAAAAA/AAAAAAAAAKCGAQAAAAAAAAAAAAAAAAAMAAAAAQAAAAAAAAAAAAAAAAAAAB8AAABUAAAAAAAABQAAAAEAAAAAAAAAAAAAAAAAAAAAAAAAAAAAAAAAAAAAAAAAAAAAAAJ/f38AAAAAA8zMzADAwP8Af39/AAAAAAAAAAAAAAAAAAAAAAAAAAAAIQAAABgAAAAUAAAAZTEAAN8JAAAhRwAAihUAABAAAAAmAAAACAAAAD0gAAAAAAAA"/>
               </a:ext>
             </a:extLst>
           </p:cNvSpPr>
@@ -5755,7 +5758,7 @@
             <a:spLocks noGrp="1" noChangeArrowheads="1"/>
             <a:extLst>
               <a:ext uri="smNativeData">
-                <pr:smNativeData xmlns="smNativeData" xmlns:pr="smNativeData" xmlns:p15="http://schemas.microsoft.com/office/powerpoint/2012/main" xmlns:p14="http://schemas.microsoft.com/office/powerpoint/2010/main" xmlns:mc="http://schemas.openxmlformats.org/markup-compatibility/2006" val="SMDATA_15_q5OGZBMAAAAlAAAAZAAAAA0AAAAAAAAAAAAAAAAAAAAAAAAAAAAAAAAAAAAAAAAAAAEAAABQAAAAAAAAAAAA4D8AAAAAAADgPwAAAAAAAOA/AAAAAAAA4D8AAAAAAADgPwAAAAAAAOA/AAAAAAAA4D8AAAAAAADgPwAAAAAAAOA/AAAAAAAA4D8CAAAAjAAAAAAAAAAAAAAARHLEDP///wgAAAAAAAAAAAAAAAAAAAAAAAAAAAAAAAAAAAAAZAAAAAEAAABAAAAAAAAAAAAAAAAAAAAAAAAAAAAAAAAAAAAAAAAAAAAAAAAAAAAAAAAAAAAAAAAAAAAAAAAAAAAAAAAAAAAAAAAAAAAAAAAAAAAAAAAAAAAAAAAAAAAAFAAAADwAAAAAAAAAAAAAAAAAAAkUAAAAAQAAABQAAAAUAAAAFAAAAAEAAAAAAAAAZAAAAGQAAAAAAAAAZAAAAGQAAAAVAAAAYAAAAAAAAAAAAAAADwAAACADAAAAAAAAAAAAAAEAAACgMgAAVgcAAKr4//8BAAAAf39/AAEAAABkAAAAAAAAABQAAABAHwAAAAAAACYAAAAAAAAAwOD//wAAAAAmAAAAZAAAABYAAABMAAAAAAAAAAAAAAAEAAAAAAAAAAEAAADn5uYKAAAAACgAAAAoAAAAZAAAAGQAAAAAAAAAzMzMAAAAAABQAAAAUAAAAGQAAABkAAAAAAAAABcAAAAUAAAAAAAAAAAAAAD/fwAA/38AAAAAAAAJAAAABAAAAAAAAAAeAAAAaAAAAAAAAAAAAAAAAAAAAAAAAAAAAAAAECcAABAnAAAAAAAAAAAAAAAAAAAAAAAAAAAAAAAAAAAAAAAAAAAAABQAAAAAAAAAwMD/AAAAAABkAAAAMgAAAAAAAABkAAAAAAAAAH9/fwAKAAAAIgAAABgAAAAAAAAAAAAAAAAAAAAAAAAAAAAAAAAAAAAkAAAAJAAAAAAAAAAHAAAAAAAAAAAAAAAAAAAAAAAAAAAAAAAAAAAAf39/ACUAAABYAAAAAAAAAAAAAAAAAAAAAAAAAAAAAAAAAAAAAAAAAAAAAAAAAAAAAAAAAAAAAAA/AAAAAAAAAKCGAQAAAAAAAAAAAAAAAAAMAAAAAQAAAAAAAAAAAAAAAAAAAB8AAABUAAAAAAAABQAAAAEAAAAAAAAAAAAAAAAAAAAAAAAAAAAAAAAAAAAAAAAAAAAAAAJ/f38AAAAAA8zMzADAwP8Af39/AAAAAAAAAAAAAAAAAAAAAAAAAAAAIQAAABgAAAAUAAAAwAMAAKcWAAB8GQAAUiIAABAAAAAmAAAACAAAAD0gAAAAAAAA"/>
+                <pr:smNativeData xmlns:mc="http://schemas.openxmlformats.org/markup-compatibility/2006" xmlns:p14="http://schemas.microsoft.com/office/powerpoint/2010/main" xmlns:p15="http://schemas.microsoft.com/office/powerpoint/2012/main" xmlns:pr="smNativeData" xmlns="smNativeData" val="SMDATA_15_q5OGZBMAAAAlAAAAZAAAAA0AAAAAAAAAAAAAAAAAAAAAAAAAAAAAAAAAAAAAAAAAAAEAAABQAAAAAAAAAAAA4D8AAAAAAADgPwAAAAAAAOA/AAAAAAAA4D8AAAAAAADgPwAAAAAAAOA/AAAAAAAA4D8AAAAAAADgPwAAAAAAAOA/AAAAAAAA4D8CAAAAjAAAAAAAAAAAAAAARHLEDP///wgAAAAAAAAAAAAAAAAAAAAAAAAAAAAAAAAAAAAAZAAAAAEAAABAAAAAAAAAAAAAAAAAAAAAAAAAAAAAAAAAAAAAAAAAAAAAAAAAAAAAAAAAAAAAAAAAAAAAAAAAAAAAAAAAAAAAAAAAAAAAAAAAAAAAAAAAAAAAAAAAAAAAFAAAADwAAAAAAAAAAAAAAAAAAAkUAAAAAQAAABQAAAAUAAAAFAAAAAEAAAAAAAAAZAAAAGQAAAAAAAAAZAAAAGQAAAAVAAAAYAAAAAAAAAAAAAAADwAAACADAAAAAAAAAAAAAAEAAACgMgAAVgcAAKr4//8BAAAAf39/AAEAAABkAAAAAAAAABQAAABAHwAAAAAAACYAAAAAAAAAwOD//wAAAAAmAAAAZAAAABYAAABMAAAAAAAAAAAAAAAEAAAAAAAAAAEAAADn5uYKAAAAACgAAAAoAAAAZAAAAGQAAAAAAAAAzMzMAAAAAABQAAAAUAAAAGQAAABkAAAAAAAAABcAAAAUAAAAAAAAAAAAAAD/fwAA/38AAAAAAAAJAAAABAAAAAAAAAAeAAAAaAAAAAAAAAAAAAAAAAAAAAAAAAAAAAAAECcAABAnAAAAAAAAAAAAAAAAAAAAAAAAAAAAAAAAAAAAAAAAAAAAABQAAAAAAAAAwMD/AAAAAABkAAAAMgAAAAAAAABkAAAAAAAAAH9/fwAKAAAAIgAAABgAAAAAAAAAAAAAAAAAAAAAAAAAAAAAAAAAAAAkAAAAJAAAAAAAAAAHAAAAAAAAAAAAAAAAAAAAAAAAAAAAAAAAAAAAf39/ACUAAABYAAAAAAAAAAAAAAAAAAAAAAAAAAAAAAAAAAAAAAAAAAAAAAAAAAAAAAAAAAAAAAA/AAAAAAAAAKCGAQAAAAAAAAAAAAAAAAAMAAAAAQAAAAAAAAAAAAAAAAAAAB8AAABUAAAAAAAABQAAAAEAAAAAAAAAAAAAAAAAAAAAAAAAAAAAAAAAAAAAAAAAAAAAAAJ/f38AAAAAA8zMzADAwP8Af39/AAAAAAAAAAAAAAAAAAAAAAAAAAAAIQAAABgAAAAUAAAAwAMAAKcWAAB8GQAAUiIAABAAAAAmAAAACAAAAD0gAAAAAAAA"/>
               </a:ext>
             </a:extLst>
           </p:cNvSpPr>
@@ -5791,7 +5794,7 @@
             <a:spLocks noGrp="1" noChangeArrowheads="1"/>
             <a:extLst>
               <a:ext uri="smNativeData">
-                <pr:smNativeData xmlns="smNativeData" xmlns:pr="smNativeData" xmlns:p15="http://schemas.microsoft.com/office/powerpoint/2012/main" xmlns:p14="http://schemas.microsoft.com/office/powerpoint/2010/main" xmlns:mc="http://schemas.openxmlformats.org/markup-compatibility/2006" val="SMDATA_15_q5OGZBMAAAAlAAAAZAAAAA0AAAAAAAAAAAAAAAAAAAAAAAAAAAAAAAAAAAAAAAAAAAEAAABQAAAAAAAAAAAA4D8AAAAAAADgPwAAAAAAAOA/AAAAAAAA4D8AAAAAAADgPwAAAAAAAOA/AAAAAAAA4D8AAAAAAADgPwAAAAAAAOA/AAAAAAAA4D8CAAAAjAAAAAAAAAAAAAAARHLEDP///wgAAAAAAAAAAAAAAAAAAAAAAAAAAAAAAAAAAAAAZAAAAAEAAABAAAAAAAAAAAAAAAAAAAAAAAAAAAAAAAAAAAAAAAAAAAAAAAAAAAAAAAAAAAAAAAAAAAAAAAAAAAAAAAAAAAAAAAAAAAAAAAAAAAAAAAAAAAAAAAAAAAAAFAAAADwAAAAAAAAAAAAAAAAAAAkUAAAAAQAAABQAAAAUAAAAFAAAAAEAAAAAAAAAZAAAAGQAAAAAAAAAZAAAAGQAAAAVAAAAYAAAAAAAAAAAAAAADwAAACADAAAAAAAAAAAAAAEAAACgMgAAVgcAAKr4//8BAAAAf39/AAEAAABkAAAAAAAAABQAAABAHwAAAAAAACYAAAAAAAAAwOD//wAAAAAmAAAAZAAAABYAAABMAAAAAAAAAAAAAAAEAAAAAAAAAAEAAADn5uYKAAAAACgAAAAoAAAAZAAAAGQAAAAAAAAAzMzMAAAAAABQAAAAUAAAAGQAAABkAAAAAAAAABcAAAAUAAAAAAAAAAAAAAD/fwAA/38AAAAAAAAJAAAABAAAAAAAAAAeAAAAaAAAAAAAAAAAAAAAAAAAAAAAAAAAAAAAECcAABAnAAAAAAAAAAAAAAAAAAAAAAAAAAAAAAAAAAAAAAAAAAAAABQAAAAAAAAAwMD/AAAAAABkAAAAMgAAAAAAAABkAAAAAAAAAH9/fwAKAAAAIgAAABgAAAAAAAAAAAAAAAAAAAAAAAAAAAAAAAAAAAAkAAAAJAAAAAAAAAAHAAAAAAAAAAAAAAAAAAAAAAAAAAAAAAAAAAAAf39/ACUAAABYAAAAAAAAAAAAAAAAAAAAAAAAAAAAAAAAAAAAAAAAAAAAAAAAAAAAAAAAAAAAAAA/AAAAAAAAAKCGAQAAAAAAAAAAAAAAAAAMAAAAAQAAAAAAAAAAAAAAAAAAAB8AAABUAAAAAAAABQAAAAEAAAAAAAAAAAAAAAAAAAAAAAAAAAAAAAAAAAAAAAAAAAAAAAJ/f38AAAAAA8zMzADAwP8Af39/AAAAAAAAAAAAAAAAAAAAAAAAAAAAIQAAABgAAAAUAAAAkxoAAKcWAABOMAAAUiIAABAAAAAmAAAACAAAAD0gAAAAAAAA"/>
+                <pr:smNativeData xmlns:mc="http://schemas.openxmlformats.org/markup-compatibility/2006" xmlns:p14="http://schemas.microsoft.com/office/powerpoint/2010/main" xmlns:p15="http://schemas.microsoft.com/office/powerpoint/2012/main" xmlns:pr="smNativeData" xmlns="smNativeData" val="SMDATA_15_q5OGZBMAAAAlAAAAZAAAAA0AAAAAAAAAAAAAAAAAAAAAAAAAAAAAAAAAAAAAAAAAAAEAAABQAAAAAAAAAAAA4D8AAAAAAADgPwAAAAAAAOA/AAAAAAAA4D8AAAAAAADgPwAAAAAAAOA/AAAAAAAA4D8AAAAAAADgPwAAAAAAAOA/AAAAAAAA4D8CAAAAjAAAAAAAAAAAAAAARHLEDP///wgAAAAAAAAAAAAAAAAAAAAAAAAAAAAAAAAAAAAAZAAAAAEAAABAAAAAAAAAAAAAAAAAAAAAAAAAAAAAAAAAAAAAAAAAAAAAAAAAAAAAAAAAAAAAAAAAAAAAAAAAAAAAAAAAAAAAAAAAAAAAAAAAAAAAAAAAAAAAAAAAAAAAFAAAADwAAAAAAAAAAAAAAAAAAAkUAAAAAQAAABQAAAAUAAAAFAAAAAEAAAAAAAAAZAAAAGQAAAAAAAAAZAAAAGQAAAAVAAAAYAAAAAAAAAAAAAAADwAAACADAAAAAAAAAAAAAAEAAACgMgAAVgcAAKr4//8BAAAAf39/AAEAAABkAAAAAAAAABQAAABAHwAAAAAAACYAAAAAAAAAwOD//wAAAAAmAAAAZAAAABYAAABMAAAAAAAAAAAAAAAEAAAAAAAAAAEAAADn5uYKAAAAACgAAAAoAAAAZAAAAGQAAAAAAAAAzMzMAAAAAABQAAAAUAAAAGQAAABkAAAAAAAAABcAAAAUAAAAAAAAAAAAAAD/fwAA/38AAAAAAAAJAAAABAAAAAAAAAAeAAAAaAAAAAAAAAAAAAAAAAAAAAAAAAAAAAAAECcAABAnAAAAAAAAAAAAAAAAAAAAAAAAAAAAAAAAAAAAAAAAAAAAABQAAAAAAAAAwMD/AAAAAABkAAAAMgAAAAAAAABkAAAAAAAAAH9/fwAKAAAAIgAAABgAAAAAAAAAAAAAAAAAAAAAAAAAAAAAAAAAAAAkAAAAJAAAAAAAAAAHAAAAAAAAAAAAAAAAAAAAAAAAAAAAAAAAAAAAf39/ACUAAABYAAAAAAAAAAAAAAAAAAAAAAAAAAAAAAAAAAAAAAAAAAAAAAAAAAAAAAAAAAAAAAA/AAAAAAAAAKCGAQAAAAAAAAAAAAAAAAAMAAAAAQAAAAAAAAAAAAAAAAAAAB8AAABUAAAAAAAABQAAAAEAAAAAAAAAAAAAAAAAAAAAAAAAAAAAAAAAAAAAAAAAAAAAAAJ/f38AAAAAA8zMzADAwP8Af39/AAAAAAAAAAAAAAAAAAAAAAAAAAAAIQAAABgAAAAUAAAAkxoAAKcWAABOMAAAUiIAABAAAAAmAAAACAAAAD0gAAAAAAAA"/>
               </a:ext>
             </a:extLst>
           </p:cNvSpPr>
@@ -5827,7 +5830,7 @@
             <a:spLocks noGrp="1" noChangeArrowheads="1"/>
             <a:extLst>
               <a:ext uri="smNativeData">
-                <pr:smNativeData xmlns="smNativeData" xmlns:pr="smNativeData" xmlns:p15="http://schemas.microsoft.com/office/powerpoint/2012/main" xmlns:p14="http://schemas.microsoft.com/office/powerpoint/2010/main" xmlns:mc="http://schemas.openxmlformats.org/markup-compatibility/2006" val="SMDATA_15_q5OGZBMAAAAlAAAAZAAAAA0AAAAAAAAAAAAAAAAAAAAAAAAAAAAAAAAAAAAAAAAAAAEAAABQAAAAAAAAAAAA4D8AAAAAAADgPwAAAAAAAOA/AAAAAAAA4D8AAAAAAADgPwAAAAAAAOA/AAAAAAAA4D8AAAAAAADgPwAAAAAAAOA/AAAAAAAA4D8CAAAAjAAAAAAAAAAAAAAARHLEDP///wgAAAAAAAAAAAAAAAAAAAAAAAAAAAAAAAAAAAAAZAAAAAEAAABAAAAAAAAAAAAAAAAAAAAAAAAAAAAAAAAAAAAAAAAAAAAAAAAAAAAAAAAAAAAAAAAAAAAAAAAAAAAAAAAAAAAAAAAAAAAAAAAAAAAAAAAAAAAAAAAAAAAAFAAAADwAAAAAAAAAAAAAAAAAAAkUAAAAAQAAABQAAAAUAAAAFAAAAAEAAAAAAAAAZAAAAGQAAAAAAAAAZAAAAGQAAAAVAAAAYAAAAAAAAAAAAAAADwAAACADAAAAAAAAAAAAAAEAAACgMgAAVgcAAKr4//8BAAAAf39/AAEAAABkAAAAAAAAABQAAABAHwAAAAAAACYAAAAAAAAAwOD//wAAAAAmAAAAZAAAABYAAABMAAAAAAAAAAAAAAAEAAAAAAAAAAEAAADn5uYKAAAAACgAAAAoAAAAZAAAAGQAAAAAAAAAzMzMAAAAAABQAAAAUAAAAGQAAABkAAAAAAAAABcAAAAUAAAAAAAAAAAAAAD/fwAA/38AAAAAAAAJAAAABAAAAAAAAAAeAAAAaAAAAAAAAAAAAAAAAAAAAAAAAAAAAAAAECcAABAnAAAAAAAAAAAAAAAAAAAAAAAAAAAAAAAAAAAAAAAAAAAAABQAAAAAAAAAwMD/AAAAAABkAAAAMgAAAAAAAABkAAAAAAAAAH9/fwAKAAAAIgAAABgAAAAAAAAAAAAAAAAAAAAAAAAAAAAAAAAAAAAkAAAAJAAAAAAAAAAHAAAAAAAAAAAAAAAAAAAAAAAAAAAAAAAAAAAAf39/ACUAAABYAAAAAAAAAAAAAAAAAAAAAAAAAAAAAAAAAAAAAAAAAAAAAAAAAAAAAAAAAAAAAAA/AAAAAAAAAKCGAQAAAAAAAAAAAAAAAAAMAAAAAQAAAAAAAAAAAAAAAAAAAB8AAABUAAAAAAAABQAAAAEAAAAAAAAAAAAAAAAAAAAAAAAAAAAAAAAAAAAAAAAAAAAAAAJ/f38AAAAAA8zMzADAwP8Af39/AAAAAAAAAAAAAAAAAAAAAAAAAAAAIQAAABgAAAAUAAAAZTEAAKcWAAAhRwAAUiIAABAAAAAmAAAACAAAAD0gAAAAAAAA"/>
+                <pr:smNativeData xmlns:mc="http://schemas.openxmlformats.org/markup-compatibility/2006" xmlns:p14="http://schemas.microsoft.com/office/powerpoint/2010/main" xmlns:p15="http://schemas.microsoft.com/office/powerpoint/2012/main" xmlns:pr="smNativeData" xmlns="smNativeData" val="SMDATA_15_q5OGZBMAAAAlAAAAZAAAAA0AAAAAAAAAAAAAAAAAAAAAAAAAAAAAAAAAAAAAAAAAAAEAAABQAAAAAAAAAAAA4D8AAAAAAADgPwAAAAAAAOA/AAAAAAAA4D8AAAAAAADgPwAAAAAAAOA/AAAAAAAA4D8AAAAAAADgPwAAAAAAAOA/AAAAAAAA4D8CAAAAjAAAAAAAAAAAAAAARHLEDP///wgAAAAAAAAAAAAAAAAAAAAAAAAAAAAAAAAAAAAAZAAAAAEAAABAAAAAAAAAAAAAAAAAAAAAAAAAAAAAAAAAAAAAAAAAAAAAAAAAAAAAAAAAAAAAAAAAAAAAAAAAAAAAAAAAAAAAAAAAAAAAAAAAAAAAAAAAAAAAAAAAAAAAFAAAADwAAAAAAAAAAAAAAAAAAAkUAAAAAQAAABQAAAAUAAAAFAAAAAEAAAAAAAAAZAAAAGQAAAAAAAAAZAAAAGQAAAAVAAAAYAAAAAAAAAAAAAAADwAAACADAAAAAAAAAAAAAAEAAACgMgAAVgcAAKr4//8BAAAAf39/AAEAAABkAAAAAAAAABQAAABAHwAAAAAAACYAAAAAAAAAwOD//wAAAAAmAAAAZAAAABYAAABMAAAAAAAAAAAAAAAEAAAAAAAAAAEAAADn5uYKAAAAACgAAAAoAAAAZAAAAGQAAAAAAAAAzMzMAAAAAABQAAAAUAAAAGQAAABkAAAAAAAAABcAAAAUAAAAAAAAAAAAAAD/fwAA/38AAAAAAAAJAAAABAAAAAAAAAAeAAAAaAAAAAAAAAAAAAAAAAAAAAAAAAAAAAAAECcAABAnAAAAAAAAAAAAAAAAAAAAAAAAAAAAAAAAAAAAAAAAAAAAABQAAAAAAAAAwMD/AAAAAABkAAAAMgAAAAAAAABkAAAAAAAAAH9/fwAKAAAAIgAAABgAAAAAAAAAAAAAAAAAAAAAAAAAAAAAAAAAAAAkAAAAJAAAAAAAAAAHAAAAAAAAAAAAAAAAAAAAAAAAAAAAAAAAAAAAf39/ACUAAABYAAAAAAAAAAAAAAAAAAAAAAAAAAAAAAAAAAAAAAAAAAAAAAAAAAAAAAAAAAAAAAA/AAAAAAAAAKCGAQAAAAAAAAAAAAAAAAAMAAAAAQAAAAAAAAAAAAAAAAAAAB8AAABUAAAAAAAABQAAAAEAAAAAAAAAAAAAAAAAAAAAAAAAAAAAAAAAAAAAAAAAAAAAAAJ/f38AAAAAA8zMzADAwP8Af39/AAAAAAAAAAAAAAAAAAAAAAAAAAAAIQAAABgAAAAUAAAAZTEAAKcWAAAhRwAAUiIAABAAAAAmAAAACAAAAD0gAAAAAAAA"/>
               </a:ext>
             </a:extLst>
           </p:cNvSpPr>
@@ -5888,7 +5891,7 @@
             <a:spLocks noGrp="1" noChangeArrowheads="1"/>
             <a:extLst>
               <a:ext uri="smNativeData">
-                <pr:smNativeData xmlns="smNativeData" xmlns:pr="smNativeData" xmlns:p15="http://schemas.microsoft.com/office/powerpoint/2012/main" xmlns:p14="http://schemas.microsoft.com/office/powerpoint/2010/main" xmlns:mc="http://schemas.openxmlformats.org/markup-compatibility/2006" val="SMDATA_15_q5OGZBMAAAAlAAAAZAAAAA0AAAAAAAAAAAAAAAAAAAAAAAAAAAAAAAABAAAAAAAAAAEAAABQAAAAAAAAAAAA4D8AAAAAAADgPwAAAAAAAOA/AAAAAAAA4D8AAAAAAADgPwAAAAAAAOA/AAAAAAAA4D8AAAAAAADgPwAAAAAAAOA/AAAAAAAA4D8CAAAAjAAAAAAAAAAAAAAARHLEDP///wgAAAAAAAAAAAAAAAAAAAAAAAAAAAAAAAAAAAAAZAAAAAEAAABAAAAAAAAAAAAAAAAAAAAAAAAAAAAAAAAAAAAAAAAAAAAAAAAAAAAAAAAAAAAAAAAAAAAAAAAAAAAAAAAAAAAAAAAAAAAAAAAAAAAAAAAAAAAAAAAAAAAAFAAAADwAAAAAAAAAAAAAAAAAAAkUAAAAAQAAABQAAAAUAAAAFAAAAAEAAAAAAAAAZAAAAGQAAAAAAAAAZAAAAGQAAAAVAAAAYAAAAAAAAAAAAAAADwAAACADAAAAAAAAAAAAAAEAAACgMgAAVgcAAKr4//8BAAAAf39/AAEAAABkAAAAAAAAABQAAABAHwAAAAAAACYAAAAAAAAAwOD//wAAAAAmAAAAZAAAABYAAABMAAAAAAAAAAAAAAAEAAAAAAAAAAEAAADn5uYKAAAAACgAAAAoAAAAZAAAAGQAAAAAAAAAzMzMAAAAAABQAAAAUAAAAGQAAABkAAAAAAAAABcAAAAUAAAAAAAAAAAAAAD/fwAA/38AAAAAAAAJAAAABAAAAAAAAAAeAAAAaAAAAAAAAAAAAAAAAAAAAAAAAAAAAAAAECcAABAnAAAAAAAAAAAAAAAAAAAAAAAAAAAAAAAAAAAAAAAAAAAAABQAAAAAAAAAwMD/AAAAAABkAAAAMgAAAAAAAABkAAAAAAAAAH9/fwAKAAAAIgAAABgAAAAAAAAAAAAAAAAAAAAAAAAAAAAAAAAAAAAkAAAAJAAAAAAAAAAHAAAAAAAAAAAAAAAAAAAAAAAAAAAAAAAAAAAAf39/ACUAAABYAAAAAAAAAAAAAAAAAAAAAAAAAAAAAAAAAAAAAAAAAAAAAAAAAAAAAAAAAAAAAAA/AAAAAAAAAKCGAQAAAAAAAAAAAAAAAAAMAAAAAQAAAAAAAAAAAAAAAAAAAB8AAABUAAAAAAAABQAAAAEAAAAAAAAAAAAAAAAAAAAAAAAAAAAAAAAAAAAAAAAAAAAAAAJ/f38AAAAAA8zMzADAwP8Af39/AAAAAAAAAAAAAAAAAAAAAAAAAAAAIQAAABgAAAAUAAAAwAMAAK8BAAA/RwAAuggAABAAAAAmAAAACAAAAD0gAAAAAAAA"/>
+                <pr:smNativeData xmlns:mc="http://schemas.openxmlformats.org/markup-compatibility/2006" xmlns:p14="http://schemas.microsoft.com/office/powerpoint/2010/main" xmlns:p15="http://schemas.microsoft.com/office/powerpoint/2012/main" xmlns:pr="smNativeData" xmlns="smNativeData" val="SMDATA_15_q5OGZBMAAAAlAAAAZAAAAA0AAAAAAAAAAAAAAAAAAAAAAAAAAAAAAAABAAAAAAAAAAEAAABQAAAAAAAAAAAA4D8AAAAAAADgPwAAAAAAAOA/AAAAAAAA4D8AAAAAAADgPwAAAAAAAOA/AAAAAAAA4D8AAAAAAADgPwAAAAAAAOA/AAAAAAAA4D8CAAAAjAAAAAAAAAAAAAAARHLEDP///wgAAAAAAAAAAAAAAAAAAAAAAAAAAAAAAAAAAAAAZAAAAAEAAABAAAAAAAAAAAAAAAAAAAAAAAAAAAAAAAAAAAAAAAAAAAAAAAAAAAAAAAAAAAAAAAAAAAAAAAAAAAAAAAAAAAAAAAAAAAAAAAAAAAAAAAAAAAAAAAAAAAAAFAAAADwAAAAAAAAAAAAAAAAAAAkUAAAAAQAAABQAAAAUAAAAFAAAAAEAAAAAAAAAZAAAAGQAAAAAAAAAZAAAAGQAAAAVAAAAYAAAAAAAAAAAAAAADwAAACADAAAAAAAAAAAAAAEAAACgMgAAVgcAAKr4//8BAAAAf39/AAEAAABkAAAAAAAAABQAAABAHwAAAAAAACYAAAAAAAAAwOD//wAAAAAmAAAAZAAAABYAAABMAAAAAAAAAAAAAAAEAAAAAAAAAAEAAADn5uYKAAAAACgAAAAoAAAAZAAAAGQAAAAAAAAAzMzMAAAAAABQAAAAUAAAAGQAAABkAAAAAAAAABcAAAAUAAAAAAAAAAAAAAD/fwAA/38AAAAAAAAJAAAABAAAAAAAAAAeAAAAaAAAAAAAAAAAAAAAAAAAAAAAAAAAAAAAECcAABAnAAAAAAAAAAAAAAAAAAAAAAAAAAAAAAAAAAAAAAAAAAAAABQAAAAAAAAAwMD/AAAAAABkAAAAMgAAAAAAAABkAAAAAAAAAH9/fwAKAAAAIgAAABgAAAAAAAAAAAAAAAAAAAAAAAAAAAAAAAAAAAAkAAAAJAAAAAAAAAAHAAAAAAAAAAAAAAAAAAAAAAAAAAAAAAAAAAAAf39/ACUAAABYAAAAAAAAAAAAAAAAAAAAAAAAAAAAAAAAAAAAAAAAAAAAAAAAAAAAAAAAAAAAAAA/AAAAAAAAAKCGAQAAAAAAAAAAAAAAAAAMAAAAAQAAAAAAAAAAAAAAAAAAAB8AAABUAAAAAAAABQAAAAEAAAAAAAAAAAAAAAAAAAAAAAAAAAAAAAAAAAAAAAAAAAAAAAJ/f38AAAAAA8zMzADAwP8Af39/AAAAAAAAAAAAAAAAAAAAAAAAAAAAIQAAABgAAAAUAAAAwAMAAK8BAAA/RwAAuggAABAAAAAmAAAACAAAAD0gAAAAAAAA"/>
               </a:ext>
             </a:extLst>
           </p:cNvSpPr>
@@ -5949,7 +5952,7 @@
             <a:spLocks noGrp="1" noChangeArrowheads="1"/>
             <a:extLst>
               <a:ext uri="smNativeData">
-                <pr:smNativeData xmlns="smNativeData" xmlns:pr="smNativeData" xmlns:p15="http://schemas.microsoft.com/office/powerpoint/2012/main" xmlns:p14="http://schemas.microsoft.com/office/powerpoint/2010/main" xmlns:mc="http://schemas.openxmlformats.org/markup-compatibility/2006" val="SMDATA_15_q5OGZBMAAAAlAAAAZAAAAA0AAAAAAAAAAAAAAAAAAAAAAAAAAAAAAAABAAAAAAAAAAEAAABQAAAAAAAAAAAA4D8AAAAAAADgPwAAAAAAAOA/AAAAAAAA4D8AAAAAAADgPwAAAAAAAOA/AAAAAAAA4D8AAAAAAADgPwAAAAAAAOA/AAAAAAAA4D8CAAAAjAAAAAAAAAAAAAAARHLEDP///wgAAAAAAAAAAAAAAAAAAAAAAAAAAAAAAAAAAAAAZAAAAAEAAABAAAAAAAAAAAAAAAAAAAAAAAAAAAAAAAAAAAAAAAAAAAAAAAAAAAAAAAAAAAAAAAAAAAAAAAAAAAAAAAAAAAAAAAAAAAAAAAAAAAAAAAAAAAAAAAAAAAAAFAAAADwAAAAAAAAAAAAAAAAAAAkUAAAAAQAAABQAAAAUAAAAFAAAAAEAAAAAAAAAZAAAAGQAAAAAAAAAZAAAAGQAAAAVAAAAYAAAAAAAAAAAAAAADwAAACADAAAAAAAAAAAAAAEAAACgMgAAVgcAAKr4//8BAAAAf39/AAEAAABkAAAAAAAAABQAAABAHwAAAAAAACYAAAAAAAAAwOD//wAAAAAmAAAAZAAAABYAAABMAAAAAAAAAAAAAAAEAAAAAAAAAAEAAADn5uYKAAAAACgAAAAoAAAAZAAAAGQAAAAAAAAAzMzMAAAAAABQAAAAUAAAAGQAAABkAAAAAAAAABcAAAAUAAAAAAAAAAAAAAD/fwAA/38AAAAAAAAJAAAABAAAAAAAAAAeAAAAaAAAAAAAAAAAAAAAAAAAAAAAAAAAAAAAECcAABAnAAAAAAAAAAAAAAAAAAAAAAAAAAAAAAAAAAAAAAAAAAAAABQAAAAAAAAAwMD/AAAAAABkAAAAMgAAAAAAAABkAAAAAAAAAH9/fwAKAAAAIgAAABgAAAAAAAAAAAAAAAAAAAAAAAAAAAAAAAAAAAAkAAAAJAAAAAAAAAAHAAAAAAAAAAAAAAAAAAAAAAAAAAAAAAAAAAAAf39/ACUAAABYAAAAAAAAAAAAAAAAAAAAAAAAAAAAAAAAAAAAAAAAAAAAAAAAAAAAAAAAAAAAAAA/AAAAAAAAAKCGAQAAAAAAAAAAAAAAAAAMAAAAAQAAAAAAAAAAAAAAAAAAAB8AAABUAAAAAAAABQAAAAEAAAAAAAAAAAAAAAAAAAAAAAAAAAAAAAAAAAAAAAAAAAAAAAJ/f38AAAAAA8zMzADAwP8Af39/AAAAAAAAAAAAAAAAAAAAAAAAAAAAIQAAABgAAAAUAAAAwAMAAK8BAAA/RwAAViIAABAAAAAmAAAACAAAAL0gAAAAAAAA"/>
+                <pr:smNativeData xmlns:mc="http://schemas.openxmlformats.org/markup-compatibility/2006" xmlns:p14="http://schemas.microsoft.com/office/powerpoint/2010/main" xmlns:p15="http://schemas.microsoft.com/office/powerpoint/2012/main" xmlns:pr="smNativeData" xmlns="smNativeData" val="SMDATA_15_q5OGZBMAAAAlAAAAZAAAAA0AAAAAAAAAAAAAAAAAAAAAAAAAAAAAAAABAAAAAAAAAAEAAABQAAAAAAAAAAAA4D8AAAAAAADgPwAAAAAAAOA/AAAAAAAA4D8AAAAAAADgPwAAAAAAAOA/AAAAAAAA4D8AAAAAAADgPwAAAAAAAOA/AAAAAAAA4D8CAAAAjAAAAAAAAAAAAAAARHLEDP///wgAAAAAAAAAAAAAAAAAAAAAAAAAAAAAAAAAAAAAZAAAAAEAAABAAAAAAAAAAAAAAAAAAAAAAAAAAAAAAAAAAAAAAAAAAAAAAAAAAAAAAAAAAAAAAAAAAAAAAAAAAAAAAAAAAAAAAAAAAAAAAAAAAAAAAAAAAAAAAAAAAAAAFAAAADwAAAAAAAAAAAAAAAAAAAkUAAAAAQAAABQAAAAUAAAAFAAAAAEAAAAAAAAAZAAAAGQAAAAAAAAAZAAAAGQAAAAVAAAAYAAAAAAAAAAAAAAADwAAACADAAAAAAAAAAAAAAEAAACgMgAAVgcAAKr4//8BAAAAf39/AAEAAABkAAAAAAAAABQAAABAHwAAAAAAACYAAAAAAAAAwOD//wAAAAAmAAAAZAAAABYAAABMAAAAAAAAAAAAAAAEAAAAAAAAAAEAAADn5uYKAAAAACgAAAAoAAAAZAAAAGQAAAAAAAAAzMzMAAAAAABQAAAAUAAAAGQAAABkAAAAAAAAABcAAAAUAAAAAAAAAAAAAAD/fwAA/38AAAAAAAAJAAAABAAAAAAAAAAeAAAAaAAAAAAAAAAAAAAAAAAAAAAAAAAAAAAAECcAABAnAAAAAAAAAAAAAAAAAAAAAAAAAAAAAAAAAAAAAAAAAAAAABQAAAAAAAAAwMD/AAAAAABkAAAAMgAAAAAAAABkAAAAAAAAAH9/fwAKAAAAIgAAABgAAAAAAAAAAAAAAAAAAAAAAAAAAAAAAAAAAAAkAAAAJAAAAAAAAAAHAAAAAAAAAAAAAAAAAAAAAAAAAAAAAAAAAAAAf39/ACUAAABYAAAAAAAAAAAAAAAAAAAAAAAAAAAAAAAAAAAAAAAAAAAAAAAAAAAAAAAAAAAAAAA/AAAAAAAAAKCGAQAAAAAAAAAAAAAAAAAMAAAAAQAAAAAAAAAAAAAAAAAAAB8AAABUAAAAAAAABQAAAAEAAAAAAAAAAAAAAAAAAAAAAAAAAAAAAAAAAAAAAAAAAAAAAAJ/f38AAAAAA8zMzADAwP8Af39/AAAAAAAAAAAAAAAAAAAAAAAAAAAAIQAAABgAAAAUAAAAwAMAAK8BAAA/RwAAViIAABAAAAAmAAAACAAAAL0gAAAAAAAA"/>
               </a:ext>
             </a:extLst>
           </p:cNvSpPr>
@@ -6010,7 +6013,7 @@
             <a:spLocks noGrp="1" noChangeArrowheads="1"/>
             <a:extLst>
               <a:ext uri="smNativeData">
-                <pr:smNativeData xmlns="smNativeData" xmlns:pr="smNativeData" xmlns:p15="http://schemas.microsoft.com/office/powerpoint/2012/main" xmlns:p14="http://schemas.microsoft.com/office/powerpoint/2010/main" xmlns:mc="http://schemas.openxmlformats.org/markup-compatibility/2006" val="SMDATA_15_q5OGZBMAAAAlAAAAZAAAAA0AAAAAAAAAAAAAAAAAAAAAAAAAAAAAAAABAAAAAAAAAAEAAABQAAAAAAAAAAAA4D8AAAAAAADgPwAAAAAAAOA/AAAAAAAA4D8AAAAAAADgPwAAAAAAAOA/AAAAAAAA4D8AAAAAAADgPwAAAAAAAOA/AAAAAAAA4D8CAAAAjAAAAAAAAAAAAAAARHLEDP///wgAAAAAAAAAAAAAAAAAAAAAAAAAAAAAAAAAAAAAZAAAAAEAAABAAAAAAAAAAAAAAAAAAAAAAAAAAAAAAAAAAAAAAAAAAAAAAAAAAAAAAAAAAAAAAAAAAAAAAAAAAAAAAAAAAAAAAAAAAAAAAAAAAAAAAAAAAAAAAAAAAAAAFAAAADwAAAAAAAAAAAAAAAAAAAkUAAAAAQAAABQAAAAUAAAAFAAAAAEAAAAAAAAAZAAAAGQAAAAAAAAAZAAAAGQAAAAVAAAAYAAAAAAAAAAAAAAADwAAACADAAAAAAAAAAAAAAEAAACgMgAAVgcAAKr4//8BAAAAf39/AAEAAABkAAAAAAAAABQAAABAHwAAAAAAACYAAAAAAAAAwOD//wAAAAAmAAAAZAAAABYAAABMAAAAAAAAAAAAAAAEAAAAAAAAAAEAAADn5uYKAAAAACgAAAAoAAAAZAAAAGQAAAAAAAAAzMzMAAAAAABQAAAAUAAAAGQAAABkAAAAAAAAABcAAAAUAAAAAAAAAAAAAAD/fwAA/38AAAAAAAAJAAAABAAAAAAAAAAeAAAAaAAAAAAAAAAAAAAAAAAAAAAAAAAAAAAAECcAABAnAAAAAAAAAAAAAAAAAAAAAAAAAAAAAAAAAAAAAAAAAAAAABQAAAAAAAAAwMD/AAAAAABkAAAAMgAAAAAAAABkAAAAAAAAAH9/fwAKAAAAIgAAABgAAAAAAAAAAAAAAAAAAAAAAAAAAAAAAAAAAAAkAAAAJAAAAAAAAAAHAAAAAAAAAAAAAAAAAAAAAAAAAAAAAAAAAAAAf39/ACUAAABYAAAAAAAAAAAAAAAAAAAAAAAAAAAAAAAAAAAAAAAAAAAAAAAAAAAAAAAAAAAAAAA/AAAAAAAAAKCGAQAAAAAAAAAAAAAAAAAMAAAAAQAAAAAAAAAAAAAAAAAAAB8AAABUAAAAAAAABQAAAAEAAAAAAAAAAAAAAAAAAAAAAAAAAAAAAAAAAAAAAAAAAAAAAAJ/f38AAAAAA8zMzADAwP8Af39/AAAAAAAAAAAAAAAAAAAAAAAAAAAAIQAAABgAAAAUAAAAwAMAAK8BAAA/RwAAuggAABAAAAAmAAAACAAAAD0gAAAAAAAA"/>
+                <pr:smNativeData xmlns:mc="http://schemas.openxmlformats.org/markup-compatibility/2006" xmlns:p14="http://schemas.microsoft.com/office/powerpoint/2010/main" xmlns:p15="http://schemas.microsoft.com/office/powerpoint/2012/main" xmlns:pr="smNativeData" xmlns="smNativeData" val="SMDATA_15_q5OGZBMAAAAlAAAAZAAAAA0AAAAAAAAAAAAAAAAAAAAAAAAAAAAAAAABAAAAAAAAAAEAAABQAAAAAAAAAAAA4D8AAAAAAADgPwAAAAAAAOA/AAAAAAAA4D8AAAAAAADgPwAAAAAAAOA/AAAAAAAA4D8AAAAAAADgPwAAAAAAAOA/AAAAAAAA4D8CAAAAjAAAAAAAAAAAAAAARHLEDP///wgAAAAAAAAAAAAAAAAAAAAAAAAAAAAAAAAAAAAAZAAAAAEAAABAAAAAAAAAAAAAAAAAAAAAAAAAAAAAAAAAAAAAAAAAAAAAAAAAAAAAAAAAAAAAAAAAAAAAAAAAAAAAAAAAAAAAAAAAAAAAAAAAAAAAAAAAAAAAAAAAAAAAFAAAADwAAAAAAAAAAAAAAAAAAAkUAAAAAQAAABQAAAAUAAAAFAAAAAEAAAAAAAAAZAAAAGQAAAAAAAAAZAAAAGQAAAAVAAAAYAAAAAAAAAAAAAAADwAAACADAAAAAAAAAAAAAAEAAACgMgAAVgcAAKr4//8BAAAAf39/AAEAAABkAAAAAAAAABQAAABAHwAAAAAAACYAAAAAAAAAwOD//wAAAAAmAAAAZAAAABYAAABMAAAAAAAAAAAAAAAEAAAAAAAAAAEAAADn5uYKAAAAACgAAAAoAAAAZAAAAGQAAAAAAAAAzMzMAAAAAABQAAAAUAAAAGQAAABkAAAAAAAAABcAAAAUAAAAAAAAAAAAAAD/fwAA/38AAAAAAAAJAAAABAAAAAAAAAAeAAAAaAAAAAAAAAAAAAAAAAAAAAAAAAAAAAAAECcAABAnAAAAAAAAAAAAAAAAAAAAAAAAAAAAAAAAAAAAAAAAAAAAABQAAAAAAAAAwMD/AAAAAABkAAAAMgAAAAAAAABkAAAAAAAAAH9/fwAKAAAAIgAAABgAAAAAAAAAAAAAAAAAAAAAAAAAAAAAAAAAAAAkAAAAJAAAAAAAAAAHAAAAAAAAAAAAAAAAAAAAAAAAAAAAAAAAAAAAf39/ACUAAABYAAAAAAAAAAAAAAAAAAAAAAAAAAAAAAAAAAAAAAAAAAAAAAAAAAAAAAAAAAAAAAA/AAAAAAAAAKCGAQAAAAAAAAAAAAAAAAAMAAAAAQAAAAAAAAAAAAAAAAAAAB8AAABUAAAAAAAABQAAAAEAAAAAAAAAAAAAAAAAAAAAAAAAAAAAAAAAAAAAAAAAAAAAAAJ/f38AAAAAA8zMzADAwP8Af39/AAAAAAAAAAAAAAAAAAAAAAAAAAAAIQAAABgAAAAUAAAAwAMAAK8BAAA/RwAAuggAABAAAAAmAAAACAAAAD0gAAAAAAAA"/>
               </a:ext>
             </a:extLst>
           </p:cNvSpPr>
@@ -6046,7 +6049,7 @@
             <a:spLocks noGrp="1" noChangeArrowheads="1"/>
             <a:extLst>
               <a:ext uri="smNativeData">
-                <pr:smNativeData xmlns="smNativeData" xmlns:pr="smNativeData" xmlns:p15="http://schemas.microsoft.com/office/powerpoint/2012/main" xmlns:p14="http://schemas.microsoft.com/office/powerpoint/2010/main" xmlns:mc="http://schemas.openxmlformats.org/markup-compatibility/2006" val="SMDATA_15_q5OGZBMAAAAlAAAAZAAAAA0AAAAAAAAAAAAAAAAAAAAAAAAAAAAAAAAAAAAAAAAAAAEAAABQAAAAAAAAAAAA4D8AAAAAAADgPwAAAAAAAOA/AAAAAAAA4D8AAAAAAADgPwAAAAAAAOA/AAAAAAAA4D8AAAAAAADgPwAAAAAAAOA/AAAAAAAA4D8CAAAAjAAAAAAAAAAAAAAARHLEDP///wgAAAAAAAAAAAAAAAAAAAAAAAAAAAAAAAAAAAAAZAAAAAEAAABAAAAAAAAAAAAAAAAAAAAAAAAAAAAAAAAAAAAAAAAAAAAAAAAAAAAAAAAAAAAAAAAAAAAAAAAAAAAAAAAAAAAAAAAAAAAAAAAAAAAAAAAAAAAAAAAAAAAAFAAAADwAAAAAAAAAAAAAAAAAAAkUAAAAAQAAABQAAAAUAAAAFAAAAAEAAAAAAAAAZAAAAGQAAAAAAAAAZAAAAGQAAAAVAAAAYAAAAAAAAAAAAAAADwAAACADAAAAAAAAAAAAAAEAAACgMgAAVgcAAKr4//8BAAAAf39/AAEAAABkAAAAAAAAABQAAABAHwAAAAAAACYAAAAAAAAAwOD//wAAAAAmAAAAZAAAABYAAABMAAAAAAAAAAAAAAAEAAAAAAAAAAEAAADn5uYKAAAAACgAAAAoAAAAZAAAAGQAAAAAAAAAzMzMAAAAAABQAAAAUAAAAGQAAABkAAAAAAAAABcAAAAUAAAAAAAAAAAAAAD/fwAA/38AAAAAAAAJAAAABAAAAAAAAAAeAAAAaAAAAAAAAAAAAAAAAAAAAAAAAAAAAAAAECcAABAnAAAAAAAAAAAAAAAAAAAAAAAAAAAAAAAAAAAAAAAAAAAAABQAAAAAAAAAwMD/AAAAAABkAAAAMgAAAAAAAABkAAAAAAAAAH9/fwAKAAAAIgAAABgAAAAAAAAAAAAAAAAAAAAAAAAAAAAAAAAAAAAkAAAAJAAAAAAAAAAHAAAAAAAAAAAAAAAAAAAAAAAAAAAAAAAAAAAAf39/ACUAAABYAAAAAAAAAAAAAAAAAAAAAAAAAAAAAAAAAAAAAAAAAAAAAAAAAAAAAAAAAAAAAAA/AAAAAAAAAKCGAQAAAAAAAAAAAAAAAAAMAAAAAQAAAAAAAAAAAAAAAAAAAB8AAABUAAAAAAAABQAAAAEAAAAAAAAAAAAAAAAAAAAAAAAAAAAAAAAAAAAAAAAAAAAAAAJ/f38AAAAAA8zMzADAwP8Af39/AAAAAAAAAAAAAAAAAAAAAAAAAAAAIQAAABgAAAAUAAAAwAMAAN8JAACwJAAAihUAABAAAAAmAAAACAAAAD0gAAAAAAAA"/>
+                <pr:smNativeData xmlns:mc="http://schemas.openxmlformats.org/markup-compatibility/2006" xmlns:p14="http://schemas.microsoft.com/office/powerpoint/2010/main" xmlns:p15="http://schemas.microsoft.com/office/powerpoint/2012/main" xmlns:pr="smNativeData" xmlns="smNativeData" val="SMDATA_15_q5OGZBMAAAAlAAAAZAAAAA0AAAAAAAAAAAAAAAAAAAAAAAAAAAAAAAAAAAAAAAAAAAEAAABQAAAAAAAAAAAA4D8AAAAAAADgPwAAAAAAAOA/AAAAAAAA4D8AAAAAAADgPwAAAAAAAOA/AAAAAAAA4D8AAAAAAADgPwAAAAAAAOA/AAAAAAAA4D8CAAAAjAAAAAAAAAAAAAAARHLEDP///wgAAAAAAAAAAAAAAAAAAAAAAAAAAAAAAAAAAAAAZAAAAAEAAABAAAAAAAAAAAAAAAAAAAAAAAAAAAAAAAAAAAAAAAAAAAAAAAAAAAAAAAAAAAAAAAAAAAAAAAAAAAAAAAAAAAAAAAAAAAAAAAAAAAAAAAAAAAAAAAAAAAAAFAAAADwAAAAAAAAAAAAAAAAAAAkUAAAAAQAAABQAAAAUAAAAFAAAAAEAAAAAAAAAZAAAAGQAAAAAAAAAZAAAAGQAAAAVAAAAYAAAAAAAAAAAAAAADwAAACADAAAAAAAAAAAAAAEAAACgMgAAVgcAAKr4//8BAAAAf39/AAEAAABkAAAAAAAAABQAAABAHwAAAAAAACYAAAAAAAAAwOD//wAAAAAmAAAAZAAAABYAAABMAAAAAAAAAAAAAAAEAAAAAAAAAAEAAADn5uYKAAAAACgAAAAoAAAAZAAAAGQAAAAAAAAAzMzMAAAAAABQAAAAUAAAAGQAAABkAAAAAAAAABcAAAAUAAAAAAAAAAAAAAD/fwAA/38AAAAAAAAJAAAABAAAAAAAAAAeAAAAaAAAAAAAAAAAAAAAAAAAAAAAAAAAAAAAECcAABAnAAAAAAAAAAAAAAAAAAAAAAAAAAAAAAAAAAAAAAAAAAAAABQAAAAAAAAAwMD/AAAAAABkAAAAMgAAAAAAAABkAAAAAAAAAH9/fwAKAAAAIgAAABgAAAAAAAAAAAAAAAAAAAAAAAAAAAAAAAAAAAAkAAAAJAAAAAAAAAAHAAAAAAAAAAAAAAAAAAAAAAAAAAAAAAAAAAAAf39/ACUAAABYAAAAAAAAAAAAAAAAAAAAAAAAAAAAAAAAAAAAAAAAAAAAAAAAAAAAAAAAAAAAAAA/AAAAAAAAAKCGAQAAAAAAAAAAAAAAAAAMAAAAAQAAAAAAAAAAAAAAAAAAAB8AAABUAAAAAAAABQAAAAEAAAAAAAAAAAAAAAAAAAAAAAAAAAAAAAAAAAAAAAAAAAAAAAJ/f38AAAAAA8zMzADAwP8Af39/AAAAAAAAAAAAAAAAAAAAAAAAAAAAIQAAABgAAAAUAAAAwAMAAN8JAACwJAAAihUAABAAAAAmAAAACAAAAD0gAAAAAAAA"/>
               </a:ext>
             </a:extLst>
           </p:cNvSpPr>
@@ -6082,7 +6085,7 @@
             <a:spLocks noGrp="1" noChangeArrowheads="1"/>
             <a:extLst>
               <a:ext uri="smNativeData">
-                <pr:smNativeData xmlns="smNativeData" xmlns:pr="smNativeData" xmlns:p15="http://schemas.microsoft.com/office/powerpoint/2012/main" xmlns:p14="http://schemas.microsoft.com/office/powerpoint/2010/main" xmlns:mc="http://schemas.openxmlformats.org/markup-compatibility/2006" val="SMDATA_15_q5OGZBMAAAAlAAAAZAAAAA0AAAAAAAAAAAAAAAAAAAAAAAAAAAAAAAAAAAAAAAAAAAEAAABQAAAAAAAAAAAA4D8AAAAAAADgPwAAAAAAAOA/AAAAAAAA4D8AAAAAAADgPwAAAAAAAOA/AAAAAAAA4D8AAAAAAADgPwAAAAAAAOA/AAAAAAAA4D8CAAAAjAAAAAAAAAAAAAAARHLEDP///wgAAAAAAAAAAAAAAAAAAAAAAAAAAAAAAAAAAAAAZAAAAAEAAABAAAAAAAAAAAAAAAAAAAAAAAAAAAAAAAAAAAAAAAAAAAAAAAAAAAAAAAAAAAAAAAAAAAAAAAAAAAAAAAAAAAAAAAAAAAAAAAAAAAAAAAAAAAAAAAAAAAAAFAAAADwAAAAAAAAAAAAAAAAAAAkUAAAAAQAAABQAAAAUAAAAFAAAAAEAAAAAAAAAZAAAAGQAAAAAAAAAZAAAAGQAAAAVAAAAYAAAAAAAAAAAAAAADwAAACADAAAAAAAAAAAAAAEAAACgMgAAVgcAAKr4//8BAAAAf39/AAEAAABkAAAAAAAAABQAAABAHwAAAAAAACYAAAAAAAAAwOD//wAAAAAmAAAAZAAAABYAAABMAAAAAAAAAAAAAAAEAAAAAAAAAAEAAADn5uYKAAAAACgAAAAoAAAAZAAAAGQAAAAAAAAAzMzMAAAAAABQAAAAUAAAAGQAAABkAAAAAAAAABcAAAAUAAAAAAAAAAAAAAD/fwAA/38AAAAAAAAJAAAABAAAAAAAAAAeAAAAaAAAAAAAAAAAAAAAAAAAAAAAAAAAAAAAECcAABAnAAAAAAAAAAAAAAAAAAAAAAAAAAAAAAAAAAAAAAAAAAAAABQAAAAAAAAAwMD/AAAAAABkAAAAMgAAAAAAAABkAAAAAAAAAH9/fwAKAAAAIgAAABgAAAAAAAAAAAAAAAAAAAAAAAAAAAAAAAAAAAAkAAAAJAAAAAAAAAAHAAAAAAAAAAAAAAAAAAAAAAAAAAAAAAAAAAAAf39/ACUAAABYAAAAAAAAAAAAAAAAAAAAAAAAAAAAAAAAAAAAAAAAAAAAAAAAAAAAAAAAAAAAAAA/AAAAAAAAAKCGAQAAAAAAAAAAAAAAAAAMAAAAAQAAAAAAAAAAAAAAAAAAAB8AAABUAAAAAAAABQAAAAEAAAAAAAAAAAAAAAAAAAAAAAAAAAAAAAAAAAAAAAAAAAAAAAJ/f38AAAAAA8zMzADAwP8Af39/AAAAAAAAAAAAAAAAAAAAAAAAAAAAIQAAABgAAAAUAAAAViYAAN8JAABGRwAAViIAABAAAAAmAAAACAAAAD0gAAAAAAAA"/>
+                <pr:smNativeData xmlns:mc="http://schemas.openxmlformats.org/markup-compatibility/2006" xmlns:p14="http://schemas.microsoft.com/office/powerpoint/2010/main" xmlns:p15="http://schemas.microsoft.com/office/powerpoint/2012/main" xmlns:pr="smNativeData" xmlns="smNativeData" val="SMDATA_15_q5OGZBMAAAAlAAAAZAAAAA0AAAAAAAAAAAAAAAAAAAAAAAAAAAAAAAAAAAAAAAAAAAEAAABQAAAAAAAAAAAA4D8AAAAAAADgPwAAAAAAAOA/AAAAAAAA4D8AAAAAAADgPwAAAAAAAOA/AAAAAAAA4D8AAAAAAADgPwAAAAAAAOA/AAAAAAAA4D8CAAAAjAAAAAAAAAAAAAAARHLEDP///wgAAAAAAAAAAAAAAAAAAAAAAAAAAAAAAAAAAAAAZAAAAAEAAABAAAAAAAAAAAAAAAAAAAAAAAAAAAAAAAAAAAAAAAAAAAAAAAAAAAAAAAAAAAAAAAAAAAAAAAAAAAAAAAAAAAAAAAAAAAAAAAAAAAAAAAAAAAAAAAAAAAAAFAAAADwAAAAAAAAAAAAAAAAAAAkUAAAAAQAAABQAAAAUAAAAFAAAAAEAAAAAAAAAZAAAAGQAAAAAAAAAZAAAAGQAAAAVAAAAYAAAAAAAAAAAAAAADwAAACADAAAAAAAAAAAAAAEAAACgMgAAVgcAAKr4//8BAAAAf39/AAEAAABkAAAAAAAAABQAAABAHwAAAAAAACYAAAAAAAAAwOD//wAAAAAmAAAAZAAAABYAAABMAAAAAAAAAAAAAAAEAAAAAAAAAAEAAADn5uYKAAAAACgAAAAoAAAAZAAAAGQAAAAAAAAAzMzMAAAAAABQAAAAUAAAAGQAAABkAAAAAAAAABcAAAAUAAAAAAAAAAAAAAD/fwAA/38AAAAAAAAJAAAABAAAAAAAAAAeAAAAaAAAAAAAAAAAAAAAAAAAAAAAAAAAAAAAECcAABAnAAAAAAAAAAAAAAAAAAAAAAAAAAAAAAAAAAAAAAAAAAAAABQAAAAAAAAAwMD/AAAAAABkAAAAMgAAAAAAAABkAAAAAAAAAH9/fwAKAAAAIgAAABgAAAAAAAAAAAAAAAAAAAAAAAAAAAAAAAAAAAAkAAAAJAAAAAAAAAAHAAAAAAAAAAAAAAAAAAAAAAAAAAAAAAAAAAAAf39/ACUAAABYAAAAAAAAAAAAAAAAAAAAAAAAAAAAAAAAAAAAAAAAAAAAAAAAAAAAAAAAAAAAAAA/AAAAAAAAAKCGAQAAAAAAAAAAAAAAAAAMAAAAAQAAAAAAAAAAAAAAAAAAAB8AAABUAAAAAAAABQAAAAEAAAAAAAAAAAAAAAAAAAAAAAAAAAAAAAAAAAAAAAAAAAAAAAJ/f38AAAAAA8zMzADAwP8Af39/AAAAAAAAAAAAAAAAAAAAAAAAAAAAIQAAABgAAAAUAAAAViYAAN8JAABGRwAAViIAABAAAAAmAAAACAAAAD0gAAAAAAAA"/>
               </a:ext>
             </a:extLst>
           </p:cNvSpPr>
@@ -6118,7 +6121,7 @@
             <a:spLocks noGrp="1" noChangeArrowheads="1"/>
             <a:extLst>
               <a:ext uri="smNativeData">
-                <pr:smNativeData xmlns="smNativeData" xmlns:pr="smNativeData" xmlns:p15="http://schemas.microsoft.com/office/powerpoint/2012/main" xmlns:p14="http://schemas.microsoft.com/office/powerpoint/2010/main" xmlns:mc="http://schemas.openxmlformats.org/markup-compatibility/2006" val="SMDATA_15_q5OGZBMAAAAlAAAAZAAAAA0AAAAAAAAAAAAAAAAAAAAAAAAAAAAAAAAAAAAAAAAAAAEAAABQAAAAAAAAAAAA4D8AAAAAAADgPwAAAAAAAOA/AAAAAAAA4D8AAAAAAADgPwAAAAAAAOA/AAAAAAAA4D8AAAAAAADgPwAAAAAAAOA/AAAAAAAA4D8CAAAAjAAAAAAAAAAAAAAARHLEDP///wgAAAAAAAAAAAAAAAAAAAAAAAAAAAAAAAAAAAAAZAAAAAEAAABAAAAAAAAAAAAAAAAAAAAAAAAAAAAAAAAAAAAAAAAAAAAAAAAAAAAAAAAAAAAAAAAAAAAAAAAAAAAAAAAAAAAAAAAAAAAAAAAAAAAAAAAAAAAAAAAAAAAAFAAAADwAAAAAAAAAAAAAAAAAAAkUAAAAAQAAABQAAAAUAAAAFAAAAAEAAAAAAAAAZAAAAGQAAAAAAAAAZAAAAGQAAAAVAAAAYAAAAAAAAAAAAAAADwAAACADAAAAAAAAAAAAAAEAAACgMgAAVgcAAKr4//8BAAAAf39/AAEAAABkAAAAAAAAABQAAABAHwAAAAAAACYAAAAAAAAAwOD//wAAAAAmAAAAZAAAABYAAABMAAAAAAAAAAAAAAAEAAAAAAAAAAEAAADn5uYKAAAAACgAAAAoAAAAZAAAAGQAAAAAAAAAzMzMAAAAAABQAAAAUAAAAGQAAABkAAAAAAAAABcAAAAUAAAAAAAAAAAAAAD/fwAA/38AAAAAAAAJAAAABAAAAAAAAAAeAAAAaAAAAAAAAAAAAAAAAAAAAAAAAAAAAAAAECcAABAnAAAAAAAAAAAAAAAAAAAAAAAAAAAAAAAAAAAAAAAAAAAAABQAAAAAAAAAwMD/AAAAAABkAAAAMgAAAAAAAABkAAAAAAAAAH9/fwAKAAAAIgAAABgAAAAAAAAAAAAAAAAAAAAAAAAAAAAAAAAAAAAkAAAAJAAAAAAAAAAHAAAAAAAAAAAAAAAAAAAAAAAAAAAAAAAAAAAAf39/ACUAAABYAAAAAAAAAAAAAAAAAAAAAAAAAAAAAAAAAAAAAAAAAAAAAAAAAAAAAAAAAAAAAAA/AAAAAAAAAKCGAQAAAAAAAAAAAAAAAAAMAAAAAQAAAAAAAAAAAAAAAAAAAB8AAABUAAAAAAAABQAAAAEAAAAAAAAAAAAAAAAAAAAAAAAAAAAAAAAAAAAAAAAAAAAAAAJ/f38AAAAAA8zMzADAwP8Af39/AAAAAAAAAAAAAAAAAAAAAAAAAAAAIQAAABgAAAAUAAAAwAMAAKcWAACwJAAAUiIAABAAAAAmAAAACAAAAD0gAAAAAAAA"/>
+                <pr:smNativeData xmlns:mc="http://schemas.openxmlformats.org/markup-compatibility/2006" xmlns:p14="http://schemas.microsoft.com/office/powerpoint/2010/main" xmlns:p15="http://schemas.microsoft.com/office/powerpoint/2012/main" xmlns:pr="smNativeData" xmlns="smNativeData" val="SMDATA_15_q5OGZBMAAAAlAAAAZAAAAA0AAAAAAAAAAAAAAAAAAAAAAAAAAAAAAAAAAAAAAAAAAAEAAABQAAAAAAAAAAAA4D8AAAAAAADgPwAAAAAAAOA/AAAAAAAA4D8AAAAAAADgPwAAAAAAAOA/AAAAAAAA4D8AAAAAAADgPwAAAAAAAOA/AAAAAAAA4D8CAAAAjAAAAAAAAAAAAAAARHLEDP///wgAAAAAAAAAAAAAAAAAAAAAAAAAAAAAAAAAAAAAZAAAAAEAAABAAAAAAAAAAAAAAAAAAAAAAAAAAAAAAAAAAAAAAAAAAAAAAAAAAAAAAAAAAAAAAAAAAAAAAAAAAAAAAAAAAAAAAAAAAAAAAAAAAAAAAAAAAAAAAAAAAAAAFAAAADwAAAAAAAAAAAAAAAAAAAkUAAAAAQAAABQAAAAUAAAAFAAAAAEAAAAAAAAAZAAAAGQAAAAAAAAAZAAAAGQAAAAVAAAAYAAAAAAAAAAAAAAADwAAACADAAAAAAAAAAAAAAEAAACgMgAAVgcAAKr4//8BAAAAf39/AAEAAABkAAAAAAAAABQAAABAHwAAAAAAACYAAAAAAAAAwOD//wAAAAAmAAAAZAAAABYAAABMAAAAAAAAAAAAAAAEAAAAAAAAAAEAAADn5uYKAAAAACgAAAAoAAAAZAAAAGQAAAAAAAAAzMzMAAAAAABQAAAAUAAAAGQAAABkAAAAAAAAABcAAAAUAAAAAAAAAAAAAAD/fwAA/38AAAAAAAAJAAAABAAAAAAAAAAeAAAAaAAAAAAAAAAAAAAAAAAAAAAAAAAAAAAAECcAABAnAAAAAAAAAAAAAAAAAAAAAAAAAAAAAAAAAAAAAAAAAAAAABQAAAAAAAAAwMD/AAAAAABkAAAAMgAAAAAAAABkAAAAAAAAAH9/fwAKAAAAIgAAABgAAAAAAAAAAAAAAAAAAAAAAAAAAAAAAAAAAAAkAAAAJAAAAAAAAAAHAAAAAAAAAAAAAAAAAAAAAAAAAAAAAAAAAAAAf39/ACUAAABYAAAAAAAAAAAAAAAAAAAAAAAAAAAAAAAAAAAAAAAAAAAAAAAAAAAAAAAAAAAAAAA/AAAAAAAAAKCGAQAAAAAAAAAAAAAAAAAMAAAAAQAAAAAAAAAAAAAAAAAAAB8AAABUAAAAAAAABQAAAAEAAAAAAAAAAAAAAAAAAAAAAAAAAAAAAAAAAAAAAAAAAAAAAAJ/f38AAAAAA8zMzADAwP8Af39/AAAAAAAAAAAAAAAAAAAAAAAAAAAAIQAAABgAAAAUAAAAwAMAAKcWAACwJAAAUiIAABAAAAAmAAAACAAAAD0gAAAAAAAA"/>
               </a:ext>
             </a:extLst>
           </p:cNvSpPr>
@@ -6179,7 +6182,7 @@
             <a:spLocks noGrp="1" noChangeArrowheads="1"/>
             <a:extLst>
               <a:ext uri="smNativeData">
-                <pr:smNativeData xmlns="smNativeData" xmlns:pr="smNativeData" xmlns:p15="http://schemas.microsoft.com/office/powerpoint/2012/main" xmlns:p14="http://schemas.microsoft.com/office/powerpoint/2010/main" xmlns:mc="http://schemas.openxmlformats.org/markup-compatibility/2006" val="SMDATA_15_q5OGZBMAAAAlAAAAZAAAAA0AAAAAAAAAAAAAAAAAAAAAAAAAAAAAAAABAAAAAAAAAAEAAABQAAAAAAAAAAAA4D8AAAAAAADgPwAAAAAAAOA/AAAAAAAA4D8AAAAAAADgPwAAAAAAAOA/AAAAAAAA4D8AAAAAAADgPwAAAAAAAOA/AAAAAAAA4D8CAAAAjAAAAAAAAAAAAAAARHLEDP///wgAAAAAAAAAAAAAAAAAAAAAAAAAAAAAAAAAAAAAZAAAAAEAAABAAAAAAAAAAAAAAAAAAAAAAAAAAAAAAAAAAAAAAAAAAAAAAAAAAAAAAAAAAAAAAAAAAAAAAAAAAAAAAAAAAAAAAAAAAAAAAAAAAAAAAAAAAAAAAAAAAAAAFAAAADwAAAAAAAAAAAAAAAAAAAkUAAAAAQAAABQAAAAUAAAAFAAAAAEAAAAAAAAAZAAAAGQAAAAAAAAAZAAAAGQAAAAVAAAAYAAAAAAAAAAAAAAADwAAACADAAAAAAAAAAAAAAEAAACgMgAAVgcAAKr4//8BAAAAf39/AAEAAABkAAAAAAAAABQAAABAHwAAAAAAACYAAAAAAAAAwOD//wAAAAAmAAAAZAAAABYAAABMAAAAAAAAAAAAAAAEAAAAAAAAAAEAAADn5uYKAAAAACgAAAAoAAAAZAAAAGQAAAAAAAAAzMzMAAAAAABQAAAAUAAAAGQAAABkAAAAAAAAABcAAAAUAAAAAAAAAAAAAAD/fwAA/38AAAAAAAAJAAAABAAAAAAAAAAeAAAAaAAAAAAAAAAAAAAAAAAAAAAAAAAAAAAAECcAABAnAAAAAAAAAAAAAAAAAAAAAAAAAAAAAAAAAAAAAAAAAAAAABQAAAAAAAAAwMD/AAAAAABkAAAAMgAAAAAAAABkAAAAAAAAAH9/fwAKAAAAIgAAABgAAAAAAAAAAAAAAAAAAAAAAAAAAAAAAAAAAAAkAAAAJAAAAAAAAAAHAAAAAAAAAAAAAAAAAAAAAAAAAAAAAAAAAAAAf39/ACUAAABYAAAAAAAAAAAAAAAAAAAAAAAAAAAAAAAAAAAAAAAAAAAAAAAAAAAAAAAAAAAAAAA/AAAAAAAAAKCGAQAAAAAAAAAAAAAAAAAMAAAAAQAAAAAAAAAAAAAAAAAAAB8AAABUAAAAAAAABQAAAAEAAAAAAAAAAAAAAAAAAAAAAAAAAAAAAAAAAAAAAAAAAAAAAAJ/f38AAAAAA8zMzADAwP8Af39/AAAAAAAAAAAAAAAAAAAAAAAAAAAAIQAAABgAAAAUAAAAwAMAAK8BAAA/RwAAuggAABAAAAAmAAAACAAAAD0gAAAAAAAA"/>
+                <pr:smNativeData xmlns:mc="http://schemas.openxmlformats.org/markup-compatibility/2006" xmlns:p14="http://schemas.microsoft.com/office/powerpoint/2010/main" xmlns:p15="http://schemas.microsoft.com/office/powerpoint/2012/main" xmlns:pr="smNativeData" xmlns="smNativeData" val="SMDATA_15_q5OGZBMAAAAlAAAAZAAAAA0AAAAAAAAAAAAAAAAAAAAAAAAAAAAAAAABAAAAAAAAAAEAAABQAAAAAAAAAAAA4D8AAAAAAADgPwAAAAAAAOA/AAAAAAAA4D8AAAAAAADgPwAAAAAAAOA/AAAAAAAA4D8AAAAAAADgPwAAAAAAAOA/AAAAAAAA4D8CAAAAjAAAAAAAAAAAAAAARHLEDP///wgAAAAAAAAAAAAAAAAAAAAAAAAAAAAAAAAAAAAAZAAAAAEAAABAAAAAAAAAAAAAAAAAAAAAAAAAAAAAAAAAAAAAAAAAAAAAAAAAAAAAAAAAAAAAAAAAAAAAAAAAAAAAAAAAAAAAAAAAAAAAAAAAAAAAAAAAAAAAAAAAAAAAFAAAADwAAAAAAAAAAAAAAAAAAAkUAAAAAQAAABQAAAAUAAAAFAAAAAEAAAAAAAAAZAAAAGQAAAAAAAAAZAAAAGQAAAAVAAAAYAAAAAAAAAAAAAAADwAAACADAAAAAAAAAAAAAAEAAACgMgAAVgcAAKr4//8BAAAAf39/AAEAAABkAAAAAAAAABQAAABAHwAAAAAAACYAAAAAAAAAwOD//wAAAAAmAAAAZAAAABYAAABMAAAAAAAAAAAAAAAEAAAAAAAAAAEAAADn5uYKAAAAACgAAAAoAAAAZAAAAGQAAAAAAAAAzMzMAAAAAABQAAAAUAAAAGQAAABkAAAAAAAAABcAAAAUAAAAAAAAAAAAAAD/fwAA/38AAAAAAAAJAAAABAAAAAAAAAAeAAAAaAAAAAAAAAAAAAAAAAAAAAAAAAAAAAAAECcAABAnAAAAAAAAAAAAAAAAAAAAAAAAAAAAAAAAAAAAAAAAAAAAABQAAAAAAAAAwMD/AAAAAABkAAAAMgAAAAAAAABkAAAAAAAAAH9/fwAKAAAAIgAAABgAAAAAAAAAAAAAAAAAAAAAAAAAAAAAAAAAAAAkAAAAJAAAAAAAAAAHAAAAAAAAAAAAAAAAAAAAAAAAAAAAAAAAAAAAf39/ACUAAABYAAAAAAAAAAAAAAAAAAAAAAAAAAAAAAAAAAAAAAAAAAAAAAAAAAAAAAAAAAAAAAA/AAAAAAAAAKCGAQAAAAAAAAAAAAAAAAAMAAAAAQAAAAAAAAAAAAAAAAAAAB8AAABUAAAAAAAABQAAAAEAAAAAAAAAAAAAAAAAAAAAAAAAAAAAAAAAAAAAAAAAAAAAAAJ/f38AAAAAA8zMzADAwP8Af39/AAAAAAAAAAAAAAAAAAAAAAAAAAAAIQAAABgAAAAUAAAAwAMAAK8BAAA/RwAAuggAABAAAAAmAAAACAAAAD0gAAAAAAAA"/>
               </a:ext>
             </a:extLst>
           </p:cNvSpPr>
@@ -6215,7 +6218,7 @@
             <a:spLocks noGrp="1" noChangeArrowheads="1"/>
             <a:extLst>
               <a:ext uri="smNativeData">
-                <pr:smNativeData xmlns="smNativeData" xmlns:pr="smNativeData" xmlns:p15="http://schemas.microsoft.com/office/powerpoint/2012/main" xmlns:p14="http://schemas.microsoft.com/office/powerpoint/2010/main" xmlns:mc="http://schemas.openxmlformats.org/markup-compatibility/2006" val="SMDATA_15_q5OGZBMAAAAlAAAAZAAAAA0AAAAAAAAAAAAAAAAAAAAAAAAAAAAAAAAAAAAAAAAAAAEAAABQAAAAAAAAAAAA4D8AAAAAAADgPwAAAAAAAOA/AAAAAAAA4D8AAAAAAADgPwAAAAAAAOA/AAAAAAAA4D8AAAAAAADgPwAAAAAAAOA/AAAAAAAA4D8CAAAAjAAAAAAAAAAAAAAARHLEDP///wgAAAAAAAAAAAAAAAAAAAAAAAAAAAAAAAAAAAAAZAAAAAEAAABAAAAAAAAAAAAAAAAAAAAAAAAAAAAAAAAAAAAAAAAAAAAAAAAAAAAAAAAAAAAAAAAAAAAAAAAAAAAAAAAAAAAAAAAAAAAAAAAAAAAAAAAAAAAAAAAAAAAAFAAAADwAAAAAAAAAAAAAAAAAAAkUAAAAAQAAABQAAAAUAAAAFAAAAAEAAAAAAAAAZAAAAGQAAAAAAAAAZAAAAGQAAAAVAAAAYAAAAAAAAAAAAAAADwAAACADAAAAAAAAAAAAAAEAAACgMgAAVgcAAKr4//8BAAAAf39/AAEAAABkAAAAAAAAABQAAABAHwAAAAAAACYAAAAAAAAAwOD//wAAAAAmAAAAZAAAABYAAABMAAAAAAAAAAAAAAAEAAAAAAAAAAEAAADn5uYKAAAAACgAAAAoAAAAZAAAAGQAAAAAAAAAzMzMAAAAAABQAAAAUAAAAGQAAABkAAAAAAAAABcAAAAUAAAAAAAAAAAAAAD/fwAA/38AAAAAAAAJAAAABAAAAAAAAAAeAAAAaAAAAAAAAAAAAAAAAAAAAAAAAAAAAAAAECcAABAnAAAAAAAAAAAAAAAAAAAAAAAAAAAAAAAAAAAAAAAAAAAAABQAAAAAAAAAwMD/AAAAAABkAAAAMgAAAAAAAABkAAAAAAAAAH9/fwAKAAAAIgAAABgAAAAAAAAAAAAAAAAAAAAAAAAAAAAAAAAAAAAkAAAAJAAAAAAAAAAHAAAAAAAAAAAAAAAAAAAAAAAAAAAAAAAAAAAAf39/ACUAAABYAAAAAAAAAAAAAAAAAAAAAAAAAAAAAAAAAAAAAAAAAAAAAAAAAAAAAAAAAAAAAAA/AAAAAAAAAKCGAQAAAAAAAAAAAAAAAAAMAAAAAQAAAAAAAAAAAAAAAAAAAB8AAABUAAAAAAAABQAAAAEAAAAAAAAAAAAAAAAAAAAAAAAAAAAAAAAAAAAAAAAAAAAAAAJ/f38AAAAAA8zMzADAwP8Af39/AAAAAAAAAAAAAAAAAAAAAAAAAAAAIQAAABgAAAAUAAAAwAMAAN8JAACwJAAAViIAABAAAAAmAAAACAAAAD0gAAAAAAAA"/>
+                <pr:smNativeData xmlns:mc="http://schemas.openxmlformats.org/markup-compatibility/2006" xmlns:p14="http://schemas.microsoft.com/office/powerpoint/2010/main" xmlns:p15="http://schemas.microsoft.com/office/powerpoint/2012/main" xmlns:pr="smNativeData" xmlns="smNativeData" val="SMDATA_15_q5OGZBMAAAAlAAAAZAAAAA0AAAAAAAAAAAAAAAAAAAAAAAAAAAAAAAAAAAAAAAAAAAEAAABQAAAAAAAAAAAA4D8AAAAAAADgPwAAAAAAAOA/AAAAAAAA4D8AAAAAAADgPwAAAAAAAOA/AAAAAAAA4D8AAAAAAADgPwAAAAAAAOA/AAAAAAAA4D8CAAAAjAAAAAAAAAAAAAAARHLEDP///wgAAAAAAAAAAAAAAAAAAAAAAAAAAAAAAAAAAAAAZAAAAAEAAABAAAAAAAAAAAAAAAAAAAAAAAAAAAAAAAAAAAAAAAAAAAAAAAAAAAAAAAAAAAAAAAAAAAAAAAAAAAAAAAAAAAAAAAAAAAAAAAAAAAAAAAAAAAAAAAAAAAAAFAAAADwAAAAAAAAAAAAAAAAAAAkUAAAAAQAAABQAAAAUAAAAFAAAAAEAAAAAAAAAZAAAAGQAAAAAAAAAZAAAAGQAAAAVAAAAYAAAAAAAAAAAAAAADwAAACADAAAAAAAAAAAAAAEAAACgMgAAVgcAAKr4//8BAAAAf39/AAEAAABkAAAAAAAAABQAAABAHwAAAAAAACYAAAAAAAAAwOD//wAAAAAmAAAAZAAAABYAAABMAAAAAAAAAAAAAAAEAAAAAAAAAAEAAADn5uYKAAAAACgAAAAoAAAAZAAAAGQAAAAAAAAAzMzMAAAAAABQAAAAUAAAAGQAAABkAAAAAAAAABcAAAAUAAAAAAAAAAAAAAD/fwAA/38AAAAAAAAJAAAABAAAAAAAAAAeAAAAaAAAAAAAAAAAAAAAAAAAAAAAAAAAAAAAECcAABAnAAAAAAAAAAAAAAAAAAAAAAAAAAAAAAAAAAAAAAAAAAAAABQAAAAAAAAAwMD/AAAAAABkAAAAMgAAAAAAAABkAAAAAAAAAH9/fwAKAAAAIgAAABgAAAAAAAAAAAAAAAAAAAAAAAAAAAAAAAAAAAAkAAAAJAAAAAAAAAAHAAAAAAAAAAAAAAAAAAAAAAAAAAAAAAAAAAAAf39/ACUAAABYAAAAAAAAAAAAAAAAAAAAAAAAAAAAAAAAAAAAAAAAAAAAAAAAAAAAAAAAAAAAAAA/AAAAAAAAAKCGAQAAAAAAAAAAAAAAAAAMAAAAAQAAAAAAAAAAAAAAAAAAAB8AAABUAAAAAAAABQAAAAEAAAAAAAAAAAAAAAAAAAAAAAAAAAAAAAAAAAAAAAAAAAAAAAJ/f38AAAAAA8zMzADAwP8Af39/AAAAAAAAAAAAAAAAAAAAAAAAAAAAIQAAABgAAAAUAAAAwAMAAN8JAACwJAAAViIAABAAAAAmAAAACAAAAD0gAAAAAAAA"/>
               </a:ext>
             </a:extLst>
           </p:cNvSpPr>
@@ -6251,7 +6254,7 @@
             <a:spLocks noGrp="1" noChangeArrowheads="1"/>
             <a:extLst>
               <a:ext uri="smNativeData">
-                <pr:smNativeData xmlns="smNativeData" xmlns:pr="smNativeData" xmlns:p15="http://schemas.microsoft.com/office/powerpoint/2012/main" xmlns:p14="http://schemas.microsoft.com/office/powerpoint/2010/main" xmlns:mc="http://schemas.openxmlformats.org/markup-compatibility/2006" val="SMDATA_15_q5OGZBMAAAAlAAAAZAAAAA0AAAAAAAAAAAAAAAAAAAAAAAAAAAAAAAAAAAAAAAAAAAEAAABQAAAAAAAAAAAA4D8AAAAAAADgPwAAAAAAAOA/AAAAAAAA4D8AAAAAAADgPwAAAAAAAOA/AAAAAAAA4D8AAAAAAADgPwAAAAAAAOA/AAAAAAAA4D8CAAAAjAAAAAAAAAAAAAAARHLEDP///wgAAAAAAAAAAAAAAAAAAAAAAAAAAAAAAAAAAAAAZAAAAAEAAABAAAAAAAAAAAAAAAAAAAAAAAAAAAAAAAAAAAAAAAAAAAAAAAAAAAAAAAAAAAAAAAAAAAAAAAAAAAAAAAAAAAAAAAAAAAAAAAAAAAAAAAAAAAAAAAAAAAAAFAAAADwAAAAAAAAAAAAAAAAAAAkUAAAAAQAAABQAAAAUAAAAFAAAAAEAAAAAAAAAZAAAAGQAAAAAAAAAZAAAAGQAAAAVAAAAYAAAAAAAAAAAAAAADwAAACADAAAAAAAAAAAAAAEAAACgMgAAVgcAAKr4//8BAAAAf39/AAEAAABkAAAAAAAAABQAAABAHwAAAAAAACYAAAAAAAAAwOD//wAAAAAmAAAAZAAAABYAAABMAAAAAAAAAAAAAAAEAAAAAAAAAAEAAADn5uYKAAAAACgAAAAoAAAAZAAAAGQAAAAAAAAAzMzMAAAAAABQAAAAUAAAAGQAAABkAAAAAAAAABcAAAAUAAAAAAAAAAAAAAD/fwAA/38AAAAAAAAJAAAABAAAAAAAAAAeAAAAaAAAAAAAAAAAAAAAAAAAAAAAAAAAAAAAECcAABAnAAAAAAAAAAAAAAAAAAAAAAAAAAAAAAAAAAAAAAAAAAAAABQAAAAAAAAAwMD/AAAAAABkAAAAMgAAAAAAAABkAAAAAAAAAH9/fwAKAAAAIgAAABgAAAAAAAAAAAAAAAAAAAAAAAAAAAAAAAAAAAAkAAAAJAAAAAAAAAAHAAAAAAAAAAAAAAAAAAAAAAAAAAAAAAAAAAAAf39/ACUAAABYAAAAAAAAAAAAAAAAAAAAAAAAAAAAAAAAAAAAAAAAAAAAAAAAAAAAAAAAAAAAAAA/AAAAAAAAAKCGAQAAAAAAAAAAAAAAAAAMAAAAAQAAAAAAAAAAAAAAAAAAAB8AAABUAAAAAAAABQAAAAEAAAAAAAAAAAAAAAAAAAAAAAAAAAAAAAAAAAAAAAAAAAAAAAJ/f38AAAAAA8zMzADAwP8Af39/AAAAAAAAAAAAAAAAAAAAAAAAAAAAIQAAABgAAAAUAAAAViYAAN8JAABGRwAAihUAABAAAAAmAAAACAAAAD0gAAAAAAAA"/>
+                <pr:smNativeData xmlns:mc="http://schemas.openxmlformats.org/markup-compatibility/2006" xmlns:p14="http://schemas.microsoft.com/office/powerpoint/2010/main" xmlns:p15="http://schemas.microsoft.com/office/powerpoint/2012/main" xmlns:pr="smNativeData" xmlns="smNativeData" val="SMDATA_15_q5OGZBMAAAAlAAAAZAAAAA0AAAAAAAAAAAAAAAAAAAAAAAAAAAAAAAAAAAAAAAAAAAEAAABQAAAAAAAAAAAA4D8AAAAAAADgPwAAAAAAAOA/AAAAAAAA4D8AAAAAAADgPwAAAAAAAOA/AAAAAAAA4D8AAAAAAADgPwAAAAAAAOA/AAAAAAAA4D8CAAAAjAAAAAAAAAAAAAAARHLEDP///wgAAAAAAAAAAAAAAAAAAAAAAAAAAAAAAAAAAAAAZAAAAAEAAABAAAAAAAAAAAAAAAAAAAAAAAAAAAAAAAAAAAAAAAAAAAAAAAAAAAAAAAAAAAAAAAAAAAAAAAAAAAAAAAAAAAAAAAAAAAAAAAAAAAAAAAAAAAAAAAAAAAAAFAAAADwAAAAAAAAAAAAAAAAAAAkUAAAAAQAAABQAAAAUAAAAFAAAAAEAAAAAAAAAZAAAAGQAAAAAAAAAZAAAAGQAAAAVAAAAYAAAAAAAAAAAAAAADwAAACADAAAAAAAAAAAAAAEAAACgMgAAVgcAAKr4//8BAAAAf39/AAEAAABkAAAAAAAAABQAAABAHwAAAAAAACYAAAAAAAAAwOD//wAAAAAmAAAAZAAAABYAAABMAAAAAAAAAAAAAAAEAAAAAAAAAAEAAADn5uYKAAAAACgAAAAoAAAAZAAAAGQAAAAAAAAAzMzMAAAAAABQAAAAUAAAAGQAAABkAAAAAAAAABcAAAAUAAAAAAAAAAAAAAD/fwAA/38AAAAAAAAJAAAABAAAAAAAAAAeAAAAaAAAAAAAAAAAAAAAAAAAAAAAAAAAAAAAECcAABAnAAAAAAAAAAAAAAAAAAAAAAAAAAAAAAAAAAAAAAAAAAAAABQAAAAAAAAAwMD/AAAAAABkAAAAMgAAAAAAAABkAAAAAAAAAH9/fwAKAAAAIgAAABgAAAAAAAAAAAAAAAAAAAAAAAAAAAAAAAAAAAAkAAAAJAAAAAAAAAAHAAAAAAAAAAAAAAAAAAAAAAAAAAAAAAAAAAAAf39/ACUAAABYAAAAAAAAAAAAAAAAAAAAAAAAAAAAAAAAAAAAAAAAAAAAAAAAAAAAAAAAAAAAAAA/AAAAAAAAAKCGAQAAAAAAAAAAAAAAAAAMAAAAAQAAAAAAAAAAAAAAAAAAAB8AAABUAAAAAAAABQAAAAEAAAAAAAAAAAAAAAAAAAAAAAAAAAAAAAAAAAAAAAAAAAAAAAJ/f38AAAAAA8zMzADAwP8Af39/AAAAAAAAAAAAAAAAAAAAAAAAAAAAIQAAABgAAAAUAAAAViYAAN8JAABGRwAAihUAABAAAAAmAAAACAAAAD0gAAAAAAAA"/>
               </a:ext>
             </a:extLst>
           </p:cNvSpPr>
@@ -6287,7 +6290,7 @@
             <a:spLocks noGrp="1" noChangeArrowheads="1"/>
             <a:extLst>
               <a:ext uri="smNativeData">
-                <pr:smNativeData xmlns="smNativeData" xmlns:pr="smNativeData" xmlns:p15="http://schemas.microsoft.com/office/powerpoint/2012/main" xmlns:p14="http://schemas.microsoft.com/office/powerpoint/2010/main" xmlns:mc="http://schemas.openxmlformats.org/markup-compatibility/2006" val="SMDATA_15_q5OGZBMAAAAlAAAAZAAAAA0AAAAAAAAAAAAAAAAAAAAAAAAAAAAAAAAAAAAAAAAAAAEAAABQAAAAAAAAAAAA4D8AAAAAAADgPwAAAAAAAOA/AAAAAAAA4D8AAAAAAADgPwAAAAAAAOA/AAAAAAAA4D8AAAAAAADgPwAAAAAAAOA/AAAAAAAA4D8CAAAAjAAAAAAAAAAAAAAARHLEDP///wgAAAAAAAAAAAAAAAAAAAAAAAAAAAAAAAAAAAAAZAAAAAEAAABAAAAAAAAAAAAAAAAAAAAAAAAAAAAAAAAAAAAAAAAAAAAAAAAAAAAAAAAAAAAAAAAAAAAAAAAAAAAAAAAAAAAAAAAAAAAAAAAAAAAAAAAAAAAAAAAAAAAAFAAAADwAAAAAAAAAAAAAAAAAAAkUAAAAAQAAABQAAAAUAAAAFAAAAAEAAAAAAAAAZAAAAGQAAAAAAAAAZAAAAGQAAAAVAAAAYAAAAAAAAAAAAAAADwAAACADAAAAAAAAAAAAAAEAAACgMgAAVgcAAKr4//8BAAAAf39/AAEAAABkAAAAAAAAABQAAABAHwAAAAAAACYAAAAAAAAAwOD//wAAAAAmAAAAZAAAABYAAABMAAAAAAAAAAAAAAAEAAAAAAAAAAEAAADn5uYKAAAAACgAAAAoAAAAZAAAAGQAAAAAAAAAzMzMAAAAAABQAAAAUAAAAGQAAABkAAAAAAAAABcAAAAUAAAAAAAAAAAAAAD/fwAA/38AAAAAAAAJAAAABAAAAAAAAAAeAAAAaAAAAAAAAAAAAAAAAAAAAAAAAAAAAAAAECcAABAnAAAAAAAAAAAAAAAAAAAAAAAAAAAAAAAAAAAAAAAAAAAAABQAAAAAAAAAwMD/AAAAAABkAAAAMgAAAAAAAABkAAAAAAAAAH9/fwAKAAAAIgAAABgAAAAAAAAAAAAAAAAAAAAAAAAAAAAAAAAAAAAkAAAAJAAAAAAAAAAHAAAAAAAAAAAAAAAAAAAAAAAAAAAAAAAAAAAAf39/ACUAAABYAAAAAAAAAAAAAAAAAAAAAAAAAAAAAAAAAAAAAAAAAAAAAAAAAAAAAAAAAAAAAAA/AAAAAAAAAKCGAQAAAAAAAAAAAAAAAAAMAAAAAQAAAAAAAAAAAAAAAAAAAB8AAABUAAAAAAAABQAAAAEAAAAAAAAAAAAAAAAAAAAAAAAAAAAAAAAAAAAAAAAAAAAAAAJ/f38AAAAAA8zMzADAwP8Af39/AAAAAAAAAAAAAAAAAAAAAAAAAAAAIQAAABgAAAAUAAAAViYAAKcWAABGRwAAUiIAABAAAAAmAAAACAAAAD0gAAAAAAAA"/>
+                <pr:smNativeData xmlns:mc="http://schemas.openxmlformats.org/markup-compatibility/2006" xmlns:p14="http://schemas.microsoft.com/office/powerpoint/2010/main" xmlns:p15="http://schemas.microsoft.com/office/powerpoint/2012/main" xmlns:pr="smNativeData" xmlns="smNativeData" val="SMDATA_15_q5OGZBMAAAAlAAAAZAAAAA0AAAAAAAAAAAAAAAAAAAAAAAAAAAAAAAAAAAAAAAAAAAEAAABQAAAAAAAAAAAA4D8AAAAAAADgPwAAAAAAAOA/AAAAAAAA4D8AAAAAAADgPwAAAAAAAOA/AAAAAAAA4D8AAAAAAADgPwAAAAAAAOA/AAAAAAAA4D8CAAAAjAAAAAAAAAAAAAAARHLEDP///wgAAAAAAAAAAAAAAAAAAAAAAAAAAAAAAAAAAAAAZAAAAAEAAABAAAAAAAAAAAAAAAAAAAAAAAAAAAAAAAAAAAAAAAAAAAAAAAAAAAAAAAAAAAAAAAAAAAAAAAAAAAAAAAAAAAAAAAAAAAAAAAAAAAAAAAAAAAAAAAAAAAAAFAAAADwAAAAAAAAAAAAAAAAAAAkUAAAAAQAAABQAAAAUAAAAFAAAAAEAAAAAAAAAZAAAAGQAAAAAAAAAZAAAAGQAAAAVAAAAYAAAAAAAAAAAAAAADwAAACADAAAAAAAAAAAAAAEAAACgMgAAVgcAAKr4//8BAAAAf39/AAEAAABkAAAAAAAAABQAAABAHwAAAAAAACYAAAAAAAAAwOD//wAAAAAmAAAAZAAAABYAAABMAAAAAAAAAAAAAAAEAAAAAAAAAAEAAADn5uYKAAAAACgAAAAoAAAAZAAAAGQAAAAAAAAAzMzMAAAAAABQAAAAUAAAAGQAAABkAAAAAAAAABcAAAAUAAAAAAAAAAAAAAD/fwAA/38AAAAAAAAJAAAABAAAAAAAAAAeAAAAaAAAAAAAAAAAAAAAAAAAAAAAAAAAAAAAECcAABAnAAAAAAAAAAAAAAAAAAAAAAAAAAAAAAAAAAAAAAAAAAAAABQAAAAAAAAAwMD/AAAAAABkAAAAMgAAAAAAAABkAAAAAAAAAH9/fwAKAAAAIgAAABgAAAAAAAAAAAAAAAAAAAAAAAAAAAAAAAAAAAAkAAAAJAAAAAAAAAAHAAAAAAAAAAAAAAAAAAAAAAAAAAAAAAAAAAAAf39/ACUAAABYAAAAAAAAAAAAAAAAAAAAAAAAAAAAAAAAAAAAAAAAAAAAAAAAAAAAAAAAAAAAAAA/AAAAAAAAAKCGAQAAAAAAAAAAAAAAAAAMAAAAAQAAAAAAAAAAAAAAAAAAAB8AAABUAAAAAAAABQAAAAEAAAAAAAAAAAAAAAAAAAAAAAAAAAAAAAAAAAAAAAAAAAAAAAJ/f38AAAAAA8zMzADAwP8Af39/AAAAAAAAAAAAAAAAAAAAAAAAAAAAIQAAABgAAAAUAAAAViYAAKcWAABGRwAAUiIAABAAAAAmAAAACAAAAD0gAAAAAAAA"/>
               </a:ext>
             </a:extLst>
           </p:cNvSpPr>
@@ -6348,7 +6351,7 @@
             <a:spLocks noGrp="1" noChangeArrowheads="1"/>
             <a:extLst>
               <a:ext uri="smNativeData">
-                <pr:smNativeData xmlns="smNativeData" xmlns:pr="smNativeData" xmlns:p15="http://schemas.microsoft.com/office/powerpoint/2012/main" xmlns:p14="http://schemas.microsoft.com/office/powerpoint/2010/main" xmlns:mc="http://schemas.openxmlformats.org/markup-compatibility/2006" val="SMDATA_15_q5OGZBMAAAAlAAAAZAAAAA0AAAAAAAAAAAAAAAAAAAAAAAAAAAAAAAABAAAAAAAAAAEAAABQAAAAAAAAAAAA4D8AAAAAAADgPwAAAAAAAOA/AAAAAAAA4D8AAAAAAADgPwAAAAAAAOA/AAAAAAAA4D8AAAAAAADgPwAAAAAAAOA/AAAAAAAA4D8CAAAAjAAAAAAAAAAAAAAARHLEDP///wgAAAAAAAAAAAAAAAAAAAAAAAAAAAAAAAAAAAAAZAAAAAEAAABAAAAAAAAAAAAAAAAAAAAAAAAAAAAAAAAAAAAAAAAAAAAAAAAAAAAAAAAAAAAAAAAAAAAAAAAAAAAAAAAAAAAAAAAAAAAAAAAAAAAAAAAAAAAAAAAAAAAAFAAAADwAAAAAAAAAAAAAAAAAAAkUAAAAAQAAABQAAAAUAAAAFAAAAAEAAAAAAAAAZAAAAGQAAAAAAAAAZAAAAGQAAAAVAAAAYAAAAAAAAAAAAAAADwAAACADAAAAAAAAAAAAAAEAAACgMgAAVgcAAKr4//8BAAAAf39/AAEAAABkAAAAAAAAABQAAABAHwAAAAAAACYAAAAAAAAAwOD//wAAAAAmAAAAZAAAABYAAABMAAAAAAAAAAAAAAAEAAAAAAAAAAEAAADn5uYKAAAAACgAAAAoAAAAZAAAAGQAAAAAAAAAzMzMAAAAAABQAAAAUAAAAGQAAABkAAAAAAAAABcAAAAUAAAAAAAAAAAAAAD/fwAA/38AAAAAAAAJAAAABAAAAGwAAAAeAAAAaAAAAAAAAAAAAAAAAAAAAAAAAAAAAAAAECcAABAnAAAAAAAAAAAAAAAAAAAAAAAAAAAAAAAAAAAAAAAAAAAAABQAAAAAAAAAwMD/AAAAAABkAAAAMgAAAAAAAABkAAAAAAAAAH9/fwAKAAAAIgAAABgAAAAAAAAAAAAAAAAAAAAAAAAAAAAAAAAAAAAkAAAAJAAAAAAAAAAHAAAAAAAAAAAAAAAAAAAAAAAAAAAAAAAAAAAAf39/ACUAAABYAAAAAAAAAAAAAAAAAAAAAAAAAAAAAAAAAAAAAAAAAAAAAAAAAAAAAAAAAAAAAAA/AAAAAAAAAKCGAQAAAAAAAAAAAAAAAAAMAAAAAQAAAAAAAAAAAAAAAAAAAB8AAABUAAAAAAAABQAAAAEAAAAAAAAAAAAAAAAAAAAAAAAAAAAAAAAAAAAAAAAAAAAAAAJ/f38AAAAAA8zMzADAwP8Af39/AAAAAAAAAAAAAAAAAAAAAAAAAAAAIQAAABgAAAAUAAAAwAMAAK8BAAA/RwAAuggAABAAAAAmAAAACAAAAD0gAAAAAAAA"/>
+                <pr:smNativeData xmlns:mc="http://schemas.openxmlformats.org/markup-compatibility/2006" xmlns:p14="http://schemas.microsoft.com/office/powerpoint/2010/main" xmlns:p15="http://schemas.microsoft.com/office/powerpoint/2012/main" xmlns:pr="smNativeData" xmlns="smNativeData" val="SMDATA_15_q5OGZBMAAAAlAAAAZAAAAA0AAAAAAAAAAAAAAAAAAAAAAAAAAAAAAAABAAAAAAAAAAEAAABQAAAAAAAAAAAA4D8AAAAAAADgPwAAAAAAAOA/AAAAAAAA4D8AAAAAAADgPwAAAAAAAOA/AAAAAAAA4D8AAAAAAADgPwAAAAAAAOA/AAAAAAAA4D8CAAAAjAAAAAAAAAAAAAAARHLEDP///wgAAAAAAAAAAAAAAAAAAAAAAAAAAAAAAAAAAAAAZAAAAAEAAABAAAAAAAAAAAAAAAAAAAAAAAAAAAAAAAAAAAAAAAAAAAAAAAAAAAAAAAAAAAAAAAAAAAAAAAAAAAAAAAAAAAAAAAAAAAAAAAAAAAAAAAAAAAAAAAAAAAAAFAAAADwAAAAAAAAAAAAAAAAAAAkUAAAAAQAAABQAAAAUAAAAFAAAAAEAAAAAAAAAZAAAAGQAAAAAAAAAZAAAAGQAAAAVAAAAYAAAAAAAAAAAAAAADwAAACADAAAAAAAAAAAAAAEAAACgMgAAVgcAAKr4//8BAAAAf39/AAEAAABkAAAAAAAAABQAAABAHwAAAAAAACYAAAAAAAAAwOD//wAAAAAmAAAAZAAAABYAAABMAAAAAAAAAAAAAAAEAAAAAAAAAAEAAADn5uYKAAAAACgAAAAoAAAAZAAAAGQAAAAAAAAAzMzMAAAAAABQAAAAUAAAAGQAAABkAAAAAAAAABcAAAAUAAAAAAAAAAAAAAD/fwAA/38AAAAAAAAJAAAABAAAAGwAAAAeAAAAaAAAAAAAAAAAAAAAAAAAAAAAAAAAAAAAECcAABAnAAAAAAAAAAAAAAAAAAAAAAAAAAAAAAAAAAAAAAAAAAAAABQAAAAAAAAAwMD/AAAAAABkAAAAMgAAAAAAAABkAAAAAAAAAH9/fwAKAAAAIgAAABgAAAAAAAAAAAAAAAAAAAAAAAAAAAAAAAAAAAAkAAAAJAAAAAAAAAAHAAAAAAAAAAAAAAAAAAAAAAAAAAAAAAAAAAAAf39/ACUAAABYAAAAAAAAAAAAAAAAAAAAAAAAAAAAAAAAAAAAAAAAAAAAAAAAAAAAAAAAAAAAAAA/AAAAAAAAAKCGAQAAAAAAAAAAAAAAAAAMAAAAAQAAAAAAAAAAAAAAAAAAAB8AAABUAAAAAAAABQAAAAEAAAAAAAAAAAAAAAAAAAAAAAAAAAAAAAAAAAAAAAAAAAAAAAJ/f38AAAAAA8zMzADAwP8Af39/AAAAAAAAAAAAAAAAAAAAAAAAAAAAIQAAABgAAAAUAAAAwAMAAK8BAAA/RwAAuggAABAAAAAmAAAACAAAAD0gAAAAAAAA"/>
               </a:ext>
             </a:extLst>
           </p:cNvSpPr>
@@ -6384,7 +6387,7 @@
             <a:spLocks noGrp="1" noChangeArrowheads="1"/>
             <a:extLst>
               <a:ext uri="smNativeData">
-                <pr:smNativeData xmlns="smNativeData" xmlns:pr="smNativeData" xmlns:p15="http://schemas.microsoft.com/office/powerpoint/2012/main" xmlns:p14="http://schemas.microsoft.com/office/powerpoint/2010/main" xmlns:mc="http://schemas.openxmlformats.org/markup-compatibility/2006" val="SMDATA_15_q5OGZBMAAAAlAAAAZAAAAA0AAAAAAAAAAAAAAAAAAAAAAAAAAAAAAAAAAAAAAAAAAAEAAABQAAAAAAAAAAAA4D8AAAAAAADgPwAAAAAAAOA/AAAAAAAA4D8AAAAAAADgPwAAAAAAAOA/AAAAAAAA4D8AAAAAAADgPwAAAAAAAOA/AAAAAAAA4D8CAAAAjAAAAAAAAAAAAAAARHLEDP///wgAAAAAAAAAAAAAAAAAAAAAAAAAAAAAAAAAAAAAZAAAAAEAAABAAAAAAAAAAAAAAAAAAAAAAAAAAAAAAAAAAAAAAAAAAAAAAAAAAAAAAAAAAAAAAAAAAAAAAAAAAAAAAAAAAAAAAAAAAAAAAAAAAAAAAAAAAAAAAAAAAAAAFAAAADwAAAAAAAAAAAAAAAAAAAkUAAAAAQAAABQAAAAUAAAAFAAAAAEAAAAAAAAAZAAAAGQAAAAAAAAAZAAAAGQAAAAVAAAAYAAAAAAAAAAAAAAADwAAACADAAAAAAAAAAAAAAEAAACgMgAAVgcAAKr4//8BAAAAf39/AAEAAABkAAAAAAAAABQAAABAHwAAAAAAACYAAAAAAAAAwOD//wAAAAAmAAAAZAAAABYAAABMAAAAAAAAAAAAAAAEAAAAAAAAAAEAAADn5uYKAAAAACgAAAAoAAAAZAAAAGQAAAAAAAAAzMzMAAAAAABQAAAAUAAAAGQAAABkAAAAAAAAABcAAAAUAAAAAAAAAAAAAAD/fwAA/38AAAAAAAAJAAAABAAAAAAAAAAeAAAAaAAAAAAAAAAAAAAAAAAAAAAAAAAAAAAAECcAABAnAAAAAAAAAAAAAAAAAAAAAAAAAAAAAAAAAAAAAAAAAAAAABQAAAAAAAAAwMD/AAAAAABkAAAAMgAAAAAAAABkAAAAAAAAAH9/fwAKAAAAIgAAABgAAAAAAAAAAAAAAAAAAAAAAAAAAAAAAAAAAAAkAAAAJAAAAAAAAAAHAAAAAAAAAAAAAAAAAAAAAAAAAAAAAAAAAAAAf39/ACUAAABYAAAAAAAAAAAAAAAAAAAAAAAAAAAAAAAAAAAAAAAAAAAAAAAAAAAAAAAAAAAAAAA/AAAAAAAAAKCGAQAAAAAAAAAAAAAAAAAMAAAAAQAAAAAAAAAAAAAAAAAAAB8AAABUAAAAAAAABQAAAAEAAAAAAAAAAAAAAAAAAAAAAAAAAAAAAAAAAAAAAAAAAAAAAAJ/f38AAAAAA8zMzADAwP8Af39/AAAAAAAAAAAAAAAAAAAAAAAAAAAAIQAAABgAAAAUAAAAwAMAAN8JAACwJAAAihUAABAAAAAmAAAACAAAAD0gAAAAAAAA"/>
+                <pr:smNativeData xmlns:mc="http://schemas.openxmlformats.org/markup-compatibility/2006" xmlns:p14="http://schemas.microsoft.com/office/powerpoint/2010/main" xmlns:p15="http://schemas.microsoft.com/office/powerpoint/2012/main" xmlns:pr="smNativeData" xmlns="smNativeData" val="SMDATA_15_q5OGZBMAAAAlAAAAZAAAAA0AAAAAAAAAAAAAAAAAAAAAAAAAAAAAAAAAAAAAAAAAAAEAAABQAAAAAAAAAAAA4D8AAAAAAADgPwAAAAAAAOA/AAAAAAAA4D8AAAAAAADgPwAAAAAAAOA/AAAAAAAA4D8AAAAAAADgPwAAAAAAAOA/AAAAAAAA4D8CAAAAjAAAAAAAAAAAAAAARHLEDP///wgAAAAAAAAAAAAAAAAAAAAAAAAAAAAAAAAAAAAAZAAAAAEAAABAAAAAAAAAAAAAAAAAAAAAAAAAAAAAAAAAAAAAAAAAAAAAAAAAAAAAAAAAAAAAAAAAAAAAAAAAAAAAAAAAAAAAAAAAAAAAAAAAAAAAAAAAAAAAAAAAAAAAFAAAADwAAAAAAAAAAAAAAAAAAAkUAAAAAQAAABQAAAAUAAAAFAAAAAEAAAAAAAAAZAAAAGQAAAAAAAAAZAAAAGQAAAAVAAAAYAAAAAAAAAAAAAAADwAAACADAAAAAAAAAAAAAAEAAACgMgAAVgcAAKr4//8BAAAAf39/AAEAAABkAAAAAAAAABQAAABAHwAAAAAAACYAAAAAAAAAwOD//wAAAAAmAAAAZAAAABYAAABMAAAAAAAAAAAAAAAEAAAAAAAAAAEAAADn5uYKAAAAACgAAAAoAAAAZAAAAGQAAAAAAAAAzMzMAAAAAABQAAAAUAAAAGQAAABkAAAAAAAAABcAAAAUAAAAAAAAAAAAAAD/fwAA/38AAAAAAAAJAAAABAAAAAAAAAAeAAAAaAAAAAAAAAAAAAAAAAAAAAAAAAAAAAAAECcAABAnAAAAAAAAAAAAAAAAAAAAAAAAAAAAAAAAAAAAAAAAAAAAABQAAAAAAAAAwMD/AAAAAABkAAAAMgAAAAAAAABkAAAAAAAAAH9/fwAKAAAAIgAAABgAAAAAAAAAAAAAAAAAAAAAAAAAAAAAAAAAAAAkAAAAJAAAAAAAAAAHAAAAAAAAAAAAAAAAAAAAAAAAAAAAAAAAAAAAf39/ACUAAABYAAAAAAAAAAAAAAAAAAAAAAAAAAAAAAAAAAAAAAAAAAAAAAAAAAAAAAAAAAAAAAA/AAAAAAAAAKCGAQAAAAAAAAAAAAAAAAAMAAAAAQAAAAAAAAAAAAAAAAAAAB8AAABUAAAAAAAABQAAAAEAAAAAAAAAAAAAAAAAAAAAAAAAAAAAAAAAAAAAAAAAAAAAAAJ/f38AAAAAA8zMzADAwP8Af39/AAAAAAAAAAAAAAAAAAAAAAAAAAAAIQAAABgAAAAUAAAAwAMAAN8JAACwJAAAihUAABAAAAAmAAAACAAAAD0gAAAAAAAA"/>
               </a:ext>
             </a:extLst>
           </p:cNvSpPr>
@@ -6420,7 +6423,7 @@
             <a:spLocks noGrp="1" noChangeArrowheads="1"/>
             <a:extLst>
               <a:ext uri="smNativeData">
-                <pr:smNativeData xmlns="smNativeData" xmlns:pr="smNativeData" xmlns:p15="http://schemas.microsoft.com/office/powerpoint/2012/main" xmlns:p14="http://schemas.microsoft.com/office/powerpoint/2010/main" xmlns:mc="http://schemas.openxmlformats.org/markup-compatibility/2006" val="SMDATA_15_q5OGZBMAAAAlAAAAZAAAAA0AAAAAAAAAAAAAAAAAAAAAAAAAAAAAAAAAAAAAAAAAAAEAAABQAAAAAAAAAAAA4D8AAAAAAADgPwAAAAAAAOA/AAAAAAAA4D8AAAAAAADgPwAAAAAAAOA/AAAAAAAA4D8AAAAAAADgPwAAAAAAAOA/AAAAAAAA4D8CAAAAjAAAAAAAAAAAAAAARHLEDP///wgAAAAAAAAAAAAAAAAAAAAAAAAAAAAAAAAAAAAAZAAAAAEAAABAAAAAAAAAAAAAAAAAAAAAAAAAAAAAAAAAAAAAAAAAAAAAAAAAAAAAAAAAAAAAAAAAAAAAAAAAAAAAAAAAAAAAAAAAAAAAAAAAAAAAAAAAAAAAAAAAAAAAFAAAADwAAAAAAAAAAAAAAAAAAAkUAAAAAQAAABQAAAAUAAAAFAAAAAEAAAAAAAAAZAAAAGQAAAAAAAAAZAAAAGQAAAAVAAAAYAAAAAAAAAAAAAAADwAAACADAAAAAAAAAAAAAAEAAACgMgAAVgcAAKr4//8BAAAAf39/AAEAAABkAAAAAAAAABQAAABAHwAAAAAAACYAAAAAAAAAwOD//wAAAAAmAAAAZAAAABYAAABMAAAAAAAAAAAAAAAEAAAAAAAAAAEAAADn5uYKAAAAACgAAAAoAAAAZAAAAGQAAAAAAAAAzMzMAAAAAABQAAAAUAAAAGQAAABkAAAAAAAAABcAAAAUAAAAAAAAAAAAAAD/fwAA/38AAAAAAAAJAAAABAAAAAAAAAAeAAAAaAAAAAAAAAAAAAAAAAAAAAAAAAAAAAAAECcAABAnAAAAAAAAAAAAAAAAAAAAAAAAAAAAAAAAAAAAAAAAAAAAABQAAAAAAAAAwMD/AAAAAABkAAAAMgAAAAAAAABkAAAAAAAAAH9/fwAKAAAAIgAAABgAAAAAAAAAAAAAAAAAAAAAAAAAAAAAAAAAAAAkAAAAJAAAAAAAAAAHAAAAAAAAAAAAAAAAAAAAAAAAAAAAAAAAAAAAf39/ACUAAABYAAAAAAAAAAAAAAAAAAAAAAAAAAAAAAAAAAAAAAAAAAAAAAAAAAAAAAAAAAAAAAA/AAAAAAAAAKCGAQAAAAAAAAAAAAAAAAAMAAAAAQAAAAAAAAAAAAAAAAAAAB8AAABUAAAAAAAABQAAAAEAAAAAAAAAAAAAAAAAAAAAAAAAAAAAAAAAAAAAAAAAAAAAAAJ/f38AAAAAA8zMzADAwP8Af39/AAAAAAAAAAAAAAAAAAAAAAAAAAAAIQAAABgAAAAUAAAAViYAAN8JAABGRwAAihUAABAAAAAmAAAACAAAAD0gAAAAAAAA"/>
+                <pr:smNativeData xmlns:mc="http://schemas.openxmlformats.org/markup-compatibility/2006" xmlns:p14="http://schemas.microsoft.com/office/powerpoint/2010/main" xmlns:p15="http://schemas.microsoft.com/office/powerpoint/2012/main" xmlns:pr="smNativeData" xmlns="smNativeData" val="SMDATA_15_q5OGZBMAAAAlAAAAZAAAAA0AAAAAAAAAAAAAAAAAAAAAAAAAAAAAAAAAAAAAAAAAAAEAAABQAAAAAAAAAAAA4D8AAAAAAADgPwAAAAAAAOA/AAAAAAAA4D8AAAAAAADgPwAAAAAAAOA/AAAAAAAA4D8AAAAAAADgPwAAAAAAAOA/AAAAAAAA4D8CAAAAjAAAAAAAAAAAAAAARHLEDP///wgAAAAAAAAAAAAAAAAAAAAAAAAAAAAAAAAAAAAAZAAAAAEAAABAAAAAAAAAAAAAAAAAAAAAAAAAAAAAAAAAAAAAAAAAAAAAAAAAAAAAAAAAAAAAAAAAAAAAAAAAAAAAAAAAAAAAAAAAAAAAAAAAAAAAAAAAAAAAAAAAAAAAFAAAADwAAAAAAAAAAAAAAAAAAAkUAAAAAQAAABQAAAAUAAAAFAAAAAEAAAAAAAAAZAAAAGQAAAAAAAAAZAAAAGQAAAAVAAAAYAAAAAAAAAAAAAAADwAAACADAAAAAAAAAAAAAAEAAACgMgAAVgcAAKr4//8BAAAAf39/AAEAAABkAAAAAAAAABQAAABAHwAAAAAAACYAAAAAAAAAwOD//wAAAAAmAAAAZAAAABYAAABMAAAAAAAAAAAAAAAEAAAAAAAAAAEAAADn5uYKAAAAACgAAAAoAAAAZAAAAGQAAAAAAAAAzMzMAAAAAABQAAAAUAAAAGQAAABkAAAAAAAAABcAAAAUAAAAAAAAAAAAAAD/fwAA/38AAAAAAAAJAAAABAAAAAAAAAAeAAAAaAAAAAAAAAAAAAAAAAAAAAAAAAAAAAAAECcAABAnAAAAAAAAAAAAAAAAAAAAAAAAAAAAAAAAAAAAAAAAAAAAABQAAAAAAAAAwMD/AAAAAABkAAAAMgAAAAAAAABkAAAAAAAAAH9/fwAKAAAAIgAAABgAAAAAAAAAAAAAAAAAAAAAAAAAAAAAAAAAAAAkAAAAJAAAAAAAAAAHAAAAAAAAAAAAAAAAAAAAAAAAAAAAAAAAAAAAf39/ACUAAABYAAAAAAAAAAAAAAAAAAAAAAAAAAAAAAAAAAAAAAAAAAAAAAAAAAAAAAAAAAAAAAA/AAAAAAAAAKCGAQAAAAAAAAAAAAAAAAAMAAAAAQAAAAAAAAAAAAAAAAAAAB8AAABUAAAAAAAABQAAAAEAAAAAAAAAAAAAAAAAAAAAAAAAAAAAAAAAAAAAAAAAAAAAAAJ/f38AAAAAA8zMzADAwP8Af39/AAAAAAAAAAAAAAAAAAAAAAAAAAAAIQAAABgAAAAUAAAAViYAAN8JAABGRwAAihUAABAAAAAmAAAACAAAAD0gAAAAAAAA"/>
               </a:ext>
             </a:extLst>
           </p:cNvSpPr>
@@ -6456,7 +6459,7 @@
             <a:spLocks noGrp="1" noChangeArrowheads="1"/>
             <a:extLst>
               <a:ext uri="smNativeData">
-                <pr:smNativeData xmlns="smNativeData" xmlns:pr="smNativeData" xmlns:p15="http://schemas.microsoft.com/office/powerpoint/2012/main" xmlns:p14="http://schemas.microsoft.com/office/powerpoint/2010/main" xmlns:mc="http://schemas.openxmlformats.org/markup-compatibility/2006" val="SMDATA_15_q5OGZBMAAAAlAAAAZAAAAA0AAAAAAAAAAAAAAAAAAAAAAAAAAAAAAAAAAAAAAAAAAAEAAABQAAAAAAAAAAAA4D8AAAAAAADgPwAAAAAAAOA/AAAAAAAA4D8AAAAAAADgPwAAAAAAAOA/AAAAAAAA4D8AAAAAAADgPwAAAAAAAOA/AAAAAAAA4D8CAAAAjAAAAAAAAAAAAAAARHLEDP///wgAAAAAAAAAAAAAAAAAAAAAAAAAAAAAAAAAAAAAZAAAAAEAAABAAAAAAAAAAAAAAAAAAAAAAAAAAAAAAAAAAAAAAAAAAAAAAAAAAAAAAAAAAAAAAAAAAAAAAAAAAAAAAAAAAAAAAAAAAAAAAAAAAAAAAAAAAAAAAAAAAAAAFAAAADwAAAAAAAAAAAAAAAAAAAkUAAAAAQAAABQAAAAUAAAAFAAAAAEAAAAAAAAAZAAAAGQAAAAAAAAAZAAAAGQAAAAVAAAAYAAAAAAAAAAAAAAADwAAACADAAAAAAAAAAAAAAEAAACgMgAAVgcAAKr4//8BAAAAf39/AAEAAABkAAAAAAAAABQAAABAHwAAAAAAACYAAAAAAAAAwOD//wAAAAAmAAAAZAAAABYAAABMAAAAAAAAAAAAAAAEAAAAAAAAAAEAAADn5uYKAAAAACgAAAAoAAAAZAAAAGQAAAAAAAAAzMzMAAAAAABQAAAAUAAAAGQAAABkAAAAAAAAABcAAAAUAAAAAAAAAAAAAAD/fwAA/38AAAAAAAAJAAAABAAAAAAAAAAeAAAAaAAAAAAAAAAAAAAAAAAAAAAAAAAAAAAAECcAABAnAAAAAAAAAAAAAAAAAAAAAAAAAAAAAAAAAAAAAAAAAAAAABQAAAAAAAAAwMD/AAAAAABkAAAAMgAAAAAAAABkAAAAAAAAAH9/fwAKAAAAIgAAABgAAAAAAAAAAAAAAAAAAAAAAAAAAAAAAAAAAAAkAAAAJAAAAAAAAAAHAAAAAAAAAAAAAAAAAAAAAAAAAAAAAAAAAAAAf39/ACUAAABYAAAAAAAAAAAAAAAAAAAAAAAAAAAAAAAAAAAAAAAAAAAAAAAAAAAAAAAAAAAAAAA/AAAAAAAAAKCGAQAAAAAAAAAAAAAAAAAMAAAAAQAAAAAAAAAAAAAAAAAAAB8AAABUAAAAAAAABQAAAAEAAAAAAAAAAAAAAAAAAAAAAAAAAAAAAAAAAAAAAAAAAAAAAAJ/f38AAAAAA8zMzADAwP8Af39/AAAAAAAAAAAAAAAAAAAAAAAAAAAAIQAAABgAAAAUAAAAwAMAAKcWAAA/RwAAUiIAABAAAAAmAAAACAAAAD0gAAAAAAAA"/>
+                <pr:smNativeData xmlns:mc="http://schemas.openxmlformats.org/markup-compatibility/2006" xmlns:p14="http://schemas.microsoft.com/office/powerpoint/2010/main" xmlns:p15="http://schemas.microsoft.com/office/powerpoint/2012/main" xmlns:pr="smNativeData" xmlns="smNativeData" val="SMDATA_15_q5OGZBMAAAAlAAAAZAAAAA0AAAAAAAAAAAAAAAAAAAAAAAAAAAAAAAAAAAAAAAAAAAEAAABQAAAAAAAAAAAA4D8AAAAAAADgPwAAAAAAAOA/AAAAAAAA4D8AAAAAAADgPwAAAAAAAOA/AAAAAAAA4D8AAAAAAADgPwAAAAAAAOA/AAAAAAAA4D8CAAAAjAAAAAAAAAAAAAAARHLEDP///wgAAAAAAAAAAAAAAAAAAAAAAAAAAAAAAAAAAAAAZAAAAAEAAABAAAAAAAAAAAAAAAAAAAAAAAAAAAAAAAAAAAAAAAAAAAAAAAAAAAAAAAAAAAAAAAAAAAAAAAAAAAAAAAAAAAAAAAAAAAAAAAAAAAAAAAAAAAAAAAAAAAAAFAAAADwAAAAAAAAAAAAAAAAAAAkUAAAAAQAAABQAAAAUAAAAFAAAAAEAAAAAAAAAZAAAAGQAAAAAAAAAZAAAAGQAAAAVAAAAYAAAAAAAAAAAAAAADwAAACADAAAAAAAAAAAAAAEAAACgMgAAVgcAAKr4//8BAAAAf39/AAEAAABkAAAAAAAAABQAAABAHwAAAAAAACYAAAAAAAAAwOD//wAAAAAmAAAAZAAAABYAAABMAAAAAAAAAAAAAAAEAAAAAAAAAAEAAADn5uYKAAAAACgAAAAoAAAAZAAAAGQAAAAAAAAAzMzMAAAAAABQAAAAUAAAAGQAAABkAAAAAAAAABcAAAAUAAAAAAAAAAAAAAD/fwAA/38AAAAAAAAJAAAABAAAAAAAAAAeAAAAaAAAAAAAAAAAAAAAAAAAAAAAAAAAAAAAECcAABAnAAAAAAAAAAAAAAAAAAAAAAAAAAAAAAAAAAAAAAAAAAAAABQAAAAAAAAAwMD/AAAAAABkAAAAMgAAAAAAAABkAAAAAAAAAH9/fwAKAAAAIgAAABgAAAAAAAAAAAAAAAAAAAAAAAAAAAAAAAAAAAAkAAAAJAAAAAAAAAAHAAAAAAAAAAAAAAAAAAAAAAAAAAAAAAAAAAAAf39/ACUAAABYAAAAAAAAAAAAAAAAAAAAAAAAAAAAAAAAAAAAAAAAAAAAAAAAAAAAAAAAAAAAAAA/AAAAAAAAAKCGAQAAAAAAAAAAAAAAAAAMAAAAAQAAAAAAAAAAAAAAAAAAAB8AAABUAAAAAAAABQAAAAEAAAAAAAAAAAAAAAAAAAAAAAAAAAAAAAAAAAAAAAAAAAAAAAJ/f38AAAAAA8zMzADAwP8Af39/AAAAAAAAAAAAAAAAAAAAAAAAAAAAIQAAABgAAAAUAAAAwAMAAKcWAAA/RwAAUiIAABAAAAAmAAAACAAAAD0gAAAAAAAA"/>
               </a:ext>
             </a:extLst>
           </p:cNvSpPr>
@@ -6525,7 +6528,7 @@
             <a:spLocks noGrp="1" noChangeArrowheads="1"/>
             <a:extLst>
               <a:ext uri="smNativeData">
-                <pr:smNativeData xmlns="smNativeData" xmlns:pr="smNativeData" xmlns:p15="http://schemas.microsoft.com/office/powerpoint/2012/main" xmlns:p14="http://schemas.microsoft.com/office/powerpoint/2010/main" xmlns:mc="http://schemas.openxmlformats.org/markup-compatibility/2006" val="SMDATA_15_q5OGZBMAAAAlAAAAZAAAAA0AAAAAAAAAAAAAAAAAAAAAAAAAAAAAAAABAAAAAAAAAAEAAABQAAAAAAAAAAAA4D8AAAAAAADgPwAAAAAAAOA/AAAAAAAA4D8AAAAAAADgPwAAAAAAAOA/AAAAAAAA4D8AAAAAAADgPwAAAAAAAOA/AAAAAAAA4D8CAAAAjAAAAAAAAAAAAAAA////AP///wgAAAAAAAAAAAAAAAAAAAAAAAAAAAAAAAAAAAAAeAAAAAEAAABAAAAAAAAAAAAAAABaAAAAAAAAAAAAAAAAAAAAAAAAAAAAAAAAAAAAAAAAAAAAAAAAAAAAAAAAAAAAAAAAAAAAAAAAAAAAAAAAAAAAAAAAAAAAAAAAAAAAFAAAADwAAAAAAAAAAAAAAAAAAAAPAAAAAQAAACMAAAAjAAAAIwAAAB4AAAAAAAAAZAAAAGQAAAAAAAAAZAAAAGQAAAAVAAAAYAAAAAAAAAAAAAAADwAAACADAAAAAAAAAAAAAAEAAACgMgAAVgcAAKr4//8BAAAAf39/AAEAAABkAAAAAAAAABQAAABAHwAAAAAAACYAAAAAAAAAwOD//wAAAAAmAAAAZAAAABYAAABMAAAAAAAAAAAAAAAEAAAAAAAAAAEAAADn5uYKAAAAACgAAAAoAAAAZAAAAGQAAAAAAAAAzMzMAAAAAABQAAAAUAAAAGQAAABkAAAAAAAAABcAAAAUAAAAAAAAAAAAAAD/fwAA/38AAAAAAAAJAAAABAAAAAAAAAAeAAAAaAAAAAAAAAAAAAAAAAAAAAAAAAAAAAAAECcAABAnAAAAAAAAAAAAAAAAAAAAAAAAAAAAAAAAAAAAAAAAAAAAABQAAAAAAAAAwMD/AAAAAABkAAAAMgAAAAAAAABkAAAAAAAAAH9/fwAKAAAAIgAAABgAAAAAAAAAAAAAAAAAAAAAAAAAAAAAAAAAAAAkAAAAJAAAAAAAAAAHAAAAAAAAAAAAAAAAAAAAAAAAAAAAAAAAAAAAf39/ACUAAABYAAAAAAAAAAAAAAAAAAAAAAAAAAAAAAAAAAAAAAAAAAAAAAAAAAAAAAAAAAAAAAA/AAAAAAAAAKCGAQAAAAAAAAAAAAAAAAAMAAAAAQAAAAAAAAAAAAAAAAAAAB8AAABUAAAA////AAAAAAEAAAAAAAAAAAAAAAAAAAAAAAAAAAAAAAAAAAAAAAAAAAAAAAB/f38AAAAAA8zMzADAwP8Af39/AAAAAAAAAAAAAAAAAAAAAAAAAAAAIQAAABgAAAAUAAAAwAMAAK8BAAA/RwAAuQgAABAAAAAmAAAACAAAAL0vAAAAAAAA"/>
+                <pr:smNativeData xmlns:mc="http://schemas.openxmlformats.org/markup-compatibility/2006" xmlns:p14="http://schemas.microsoft.com/office/powerpoint/2010/main" xmlns:p15="http://schemas.microsoft.com/office/powerpoint/2012/main" xmlns:pr="smNativeData" xmlns="smNativeData" val="SMDATA_15_q5OGZBMAAAAlAAAAZAAAAA0AAAAAAAAAAAAAAAAAAAAAAAAAAAAAAAABAAAAAAAAAAEAAABQAAAAAAAAAAAA4D8AAAAAAADgPwAAAAAAAOA/AAAAAAAA4D8AAAAAAADgPwAAAAAAAOA/AAAAAAAA4D8AAAAAAADgPwAAAAAAAOA/AAAAAAAA4D8CAAAAjAAAAAAAAAAAAAAA////AP///wgAAAAAAAAAAAAAAAAAAAAAAAAAAAAAAAAAAAAAeAAAAAEAAABAAAAAAAAAAAAAAABaAAAAAAAAAAAAAAAAAAAAAAAAAAAAAAAAAAAAAAAAAAAAAAAAAAAAAAAAAAAAAAAAAAAAAAAAAAAAAAAAAAAAAAAAAAAAAAAAAAAAFAAAADwAAAAAAAAAAAAAAAAAAAAPAAAAAQAAACMAAAAjAAAAIwAAAB4AAAAAAAAAZAAAAGQAAAAAAAAAZAAAAGQAAAAVAAAAYAAAAAAAAAAAAAAADwAAACADAAAAAAAAAAAAAAEAAACgMgAAVgcAAKr4//8BAAAAf39/AAEAAABkAAAAAAAAABQAAABAHwAAAAAAACYAAAAAAAAAwOD//wAAAAAmAAAAZAAAABYAAABMAAAAAAAAAAAAAAAEAAAAAAAAAAEAAADn5uYKAAAAACgAAAAoAAAAZAAAAGQAAAAAAAAAzMzMAAAAAABQAAAAUAAAAGQAAABkAAAAAAAAABcAAAAUAAAAAAAAAAAAAAD/fwAA/38AAAAAAAAJAAAABAAAAAAAAAAeAAAAaAAAAAAAAAAAAAAAAAAAAAAAAAAAAAAAECcAABAnAAAAAAAAAAAAAAAAAAAAAAAAAAAAAAAAAAAAAAAAAAAAABQAAAAAAAAAwMD/AAAAAABkAAAAMgAAAAAAAABkAAAAAAAAAH9/fwAKAAAAIgAAABgAAAAAAAAAAAAAAAAAAAAAAAAAAAAAAAAAAAAkAAAAJAAAAAAAAAAHAAAAAAAAAAAAAAAAAAAAAAAAAAAAAAAAAAAAf39/ACUAAABYAAAAAAAAAAAAAAAAAAAAAAAAAAAAAAAAAAAAAAAAAAAAAAAAAAAAAAAAAAAAAAA/AAAAAAAAAKCGAQAAAAAAAAAAAAAAAAAMAAAAAQAAAAAAAAAAAAAAAAAAAB8AAABUAAAA////AAAAAAEAAAAAAAAAAAAAAAAAAAAAAAAAAAAAAAAAAAAAAAAAAAAAAAB/f38AAAAAA8zMzADAwP8Af39/AAAAAAAAAAAAAAAAAAAAAAAAAAAAIQAAABgAAAAUAAAAwAMAAK8BAAA/RwAAuQgAABAAAAAmAAAACAAAAL0vAAAAAAAA"/>
               </a:ext>
             </a:extLst>
           </p:cNvSpPr>
@@ -6567,7 +6570,7 @@
             <a:spLocks noGrp="1" noChangeArrowheads="1"/>
             <a:extLst>
               <a:ext uri="smNativeData">
-                <pr:smNativeData xmlns="smNativeData" xmlns:pr="smNativeData" xmlns:p15="http://schemas.microsoft.com/office/powerpoint/2012/main" xmlns:p14="http://schemas.microsoft.com/office/powerpoint/2010/main" xmlns:mc="http://schemas.openxmlformats.org/markup-compatibility/2006" val="SMDATA_15_q5OGZBMAAAAlAAAAZAAAAA0AAAAAAAAAAAAAAAAAAAAAAAAAAAAAAAAAAAAAAAAAAAEAAABQAAAAAAAAAAAA4D8AAAAAAADgPwAAAAAAAOA/AAAAAAAA4D8AAAAAAADgPwAAAAAAAOA/AAAAAAAA4D8AAAAAAADgPwAAAAAAAOA/AAAAAAAA4D8CAAAAjAAAAAAAAAAAAAAA////AP///wgAAAAAAAAAAAAAAAAAAAAAAAAAAAAAAAAAAAAAeAAAAAEAAABAAAAAAAAAAAAAAABaAAAAAAAAAAAAAAAAAAAAAAAAAAAAAAAAAAAAAAAAAAAAAAAAAAAAAAAAAAAAAAAAAAAAAAAAAAAAAAAAAAAAAAAAAAAAAAAAAAAAFAAAADwAAAAAAAAAAAAAAAAAAAAPAAAAAQAAACMAAAAjAAAAIwAAAB4AAAAAAAAAZAAAAGQAAAAAAAAAZAAAAGQAAAAVAAAAYAAAAAAAAAAAAAAADwAAACADAAAAAAAAAAAAAAEAAACgMgAAVgcAAKr4//8BAAAAf39/AAEAAABkAAAAAAAAABQAAABAHwAAAAAAACYAAAAAAAAAwOD//wAAAAAmAAAAZAAAABYAAABMAAAAAAAAAAAAAAAEAAAAAAAAAAEAAADn5uYKAAAAACgAAAAoAAAAZAAAAGQAAAAAAAAAzMzMAAAAAABQAAAAUAAAAGQAAABkAAAAAAAAABcAAAAUAAAAAAAAAAAAAAD/fwAA/38AAAAAAAAJAAAABAAAAAAAAAAeAAAAaAAAAAAAAAAAAAAAAAAAAAAAAAAAAAAAECcAABAnAAAAAAAAAAAAAAAAAAAAAAAAAAAAAAAAAAAAAAAAAAAAABQAAAAAAAAAwMD/AAAAAABkAAAAMgAAAAAAAABkAAAAAAAAAH9/fwAKAAAAIgAAABgAAAAAAAAAAAAAAAAAAAAAAAAAAAAAAAAAAAAkAAAAJAAAAAAAAAAHAAAAAAAAAAAAAAAAAAAAAAAAAAAAAAAAAAAAf39/ACUAAABYAAAAAAAAAAAAAAAAAAAAAAAAAAAAAAAAAAAAAAAAAAAAAAAAAAAAAAAAAAAAAAA/AAAAAAAAAKCGAQAAAAAAAAAAAAAAAAAMAAAAAQAAAAAAAAAAAAAAAAAAAB8AAABUAAAA////AAAAAAEAAAAAAAAAAAAAAAAAAAAAAAAAAAAAAAAAAAAAAAAAAAAAAAB/f38AAAAAA8zMzADAwP8Af39/AAAAAAAAAAAAAAAAAAAAAAAAAAAAIQAAABgAAAAUAAAAwAMAAN8JAAA/RwAAViIAABAAAAAmAAAACAAAAD0vAAAAAAAA"/>
+                <pr:smNativeData xmlns:mc="http://schemas.openxmlformats.org/markup-compatibility/2006" xmlns:p14="http://schemas.microsoft.com/office/powerpoint/2010/main" xmlns:p15="http://schemas.microsoft.com/office/powerpoint/2012/main" xmlns:pr="smNativeData" xmlns="smNativeData" val="SMDATA_15_q5OGZBMAAAAlAAAAZAAAAA0AAAAAAAAAAAAAAAAAAAAAAAAAAAAAAAAAAAAAAAAAAAEAAABQAAAAAAAAAAAA4D8AAAAAAADgPwAAAAAAAOA/AAAAAAAA4D8AAAAAAADgPwAAAAAAAOA/AAAAAAAA4D8AAAAAAADgPwAAAAAAAOA/AAAAAAAA4D8CAAAAjAAAAAAAAAAAAAAA////AP///wgAAAAAAAAAAAAAAAAAAAAAAAAAAAAAAAAAAAAAeAAAAAEAAABAAAAAAAAAAAAAAABaAAAAAAAAAAAAAAAAAAAAAAAAAAAAAAAAAAAAAAAAAAAAAAAAAAAAAAAAAAAAAAAAAAAAAAAAAAAAAAAAAAAAAAAAAAAAAAAAAAAAFAAAADwAAAAAAAAAAAAAAAAAAAAPAAAAAQAAACMAAAAjAAAAIwAAAB4AAAAAAAAAZAAAAGQAAAAAAAAAZAAAAGQAAAAVAAAAYAAAAAAAAAAAAAAADwAAACADAAAAAAAAAAAAAAEAAACgMgAAVgcAAKr4//8BAAAAf39/AAEAAABkAAAAAAAAABQAAABAHwAAAAAAACYAAAAAAAAAwOD//wAAAAAmAAAAZAAAABYAAABMAAAAAAAAAAAAAAAEAAAAAAAAAAEAAADn5uYKAAAAACgAAAAoAAAAZAAAAGQAAAAAAAAAzMzMAAAAAABQAAAAUAAAAGQAAABkAAAAAAAAABcAAAAUAAAAAAAAAAAAAAD/fwAA/38AAAAAAAAJAAAABAAAAAAAAAAeAAAAaAAAAAAAAAAAAAAAAAAAAAAAAAAAAAAAECcAABAnAAAAAAAAAAAAAAAAAAAAAAAAAAAAAAAAAAAAAAAAAAAAABQAAAAAAAAAwMD/AAAAAABkAAAAMgAAAAAAAABkAAAAAAAAAH9/fwAKAAAAIgAAABgAAAAAAAAAAAAAAAAAAAAAAAAAAAAAAAAAAAAkAAAAJAAAAAAAAAAHAAAAAAAAAAAAAAAAAAAAAAAAAAAAAAAAAAAAf39/ACUAAABYAAAAAAAAAAAAAAAAAAAAAAAAAAAAAAAAAAAAAAAAAAAAAAAAAAAAAAAAAAAAAAA/AAAAAAAAAKCGAQAAAAAAAAAAAAAAAAAMAAAAAQAAAAAAAAAAAAAAAAAAAB8AAABUAAAA////AAAAAAEAAAAAAAAAAAAAAAAAAAAAAAAAAAAAAAAAAAAAAAAAAAAAAAB/f38AAAAAA8zMzADAwP8Af39/AAAAAAAAAAAAAAAAAAAAAAAAAAAAIQAAABgAAAAUAAAAwAMAAN8JAAA/RwAAViIAABAAAAAmAAAACAAAAD0vAAAAAAAA"/>
               </a:ext>
             </a:extLst>
           </p:cNvSpPr>
@@ -7401,7 +7404,7 @@
             <a:spLocks noGrp="1" noChangeArrowheads="1"/>
             <a:extLst>
               <a:ext uri="smNativeData">
-                <pr:smNativeData xmlns="smNativeData" xmlns:pr="smNativeData" xmlns:p15="http://schemas.microsoft.com/office/powerpoint/2012/main" xmlns:p14="http://schemas.microsoft.com/office/powerpoint/2010/main" xmlns:mc="http://schemas.openxmlformats.org/markup-compatibility/2006" val="SMDATA_15_q5OGZBMAAAAlAAAAZAAAAA0AAAAAAAAAAAAAAAAAAAAAAAAAAAAAAAABAAAAAAAAAAEAAABQAAAAAAAAAAAA4D8AAAAAAADgPwAAAAAAAOA/AAAAAAAA4D8AAAAAAADgPwAAAAAAAOA/AAAAAAAA4D8AAAAAAADgPwAAAAAAAOA/AAAAAAAA4D8CAAAAjAAAAAAAAAAAAAAA////AP///wgAAAAAAAAAAAAAAAAAAAAAAAAAAAAAAAAAAAAAeAAAAAEAAABAAAAAAAAAAAAAAABaAAAAAAAAAAAAAAAAAAAAAAAAAAAAAAAAAAAAAAAAAAAAAAAAAAAAAAAAAAAAAAAAAAAAAAAAAAAAAAAAAAAAAAAAAAAAAAAAAAAAFAAAADwAAAAAAAAAAAAAAAAAAAAPAAAAAQAAACMAAAAjAAAAIwAAAB4AAAAAAAAAZAAAAGQAAAAAAAAAZAAAAGQAAAAVAAAAYAAAAAAAAAAAAAAADwAAACADAAAAAAAAAAAAAAEAAACgMgAAVgcAAKr4//8BAAAAf39/AAEAAABkAAAAAAAAABQAAABAHwAAAAAAACYAAAAAAAAAwOD//wAAAAAmAAAAZAAAABYAAABMAAAAAAAAAAAAAAAEAAAAAAAAAAEAAADn5uYKAAAAACgAAAAoAAAAZAAAAGQAAAAAAAAAzMzMAAAAAABQAAAAUAAAAGQAAABkAAAAAAAAABcAAAAUAAAAAAAAAAAAAAD/fwAA/38AAAAAAAAJAAAABAAAAAAAAAAeAAAAaAAAAAAAAAAAAAAAAAAAAAAAAAAAAAAAECcAABAnAAAAAAAAAAAAAAAAAAAAAAAAAAAAAAAAAAAAAAAAAAAAABQAAAAAAAAAwMD/AAAAAABkAAAAMgAAAAAAAABkAAAAAAAAAH9/fwAKAAAAIgAAABgAAAAAAAAAAAAAAAAAAAAAAAAAAAAAAAAAAAAkAAAAJAAAAAAAAAAHAAAAAAAAAAAAAAAAAAAAAAAAAAAAAAAAAAAAf39/ACUAAABYAAAAAAAAAAAAAAAAAAAAAAAAAAAAAAAAAAAAAAAAAAAAAAAAAAAAAAAAAAAAAAA/AAAAAAAAAKCGAQAAAAAAAAAAAAAAAAAMAAAAAQAAAAAAAAAAAAAAAAAAAB8AAABUAAAA////AAAAAAEAAAAAAAAAAAAAAAAAAAAAAAAAAAAAAAAAAAAAAAAAAAAAAAB/f38AAAAAA8zMzADAwP8Af39/AAAAAAAAAAAAAAAAAAAAAAAAAAAAIQAAABgAAAAUAAAAwAMAAK8BAAA/RwAAuQgAABAAAAAmAAAACAAAAL0vAAAAAAAA"/>
+                <pr:smNativeData xmlns:mc="http://schemas.openxmlformats.org/markup-compatibility/2006" xmlns:p14="http://schemas.microsoft.com/office/powerpoint/2010/main" xmlns:p15="http://schemas.microsoft.com/office/powerpoint/2012/main" xmlns:pr="smNativeData" xmlns="smNativeData" val="SMDATA_15_q5OGZBMAAAAlAAAAZAAAAA0AAAAAAAAAAAAAAAAAAAAAAAAAAAAAAAABAAAAAAAAAAEAAABQAAAAAAAAAAAA4D8AAAAAAADgPwAAAAAAAOA/AAAAAAAA4D8AAAAAAADgPwAAAAAAAOA/AAAAAAAA4D8AAAAAAADgPwAAAAAAAOA/AAAAAAAA4D8CAAAAjAAAAAAAAAAAAAAA////AP///wgAAAAAAAAAAAAAAAAAAAAAAAAAAAAAAAAAAAAAeAAAAAEAAABAAAAAAAAAAAAAAABaAAAAAAAAAAAAAAAAAAAAAAAAAAAAAAAAAAAAAAAAAAAAAAAAAAAAAAAAAAAAAAAAAAAAAAAAAAAAAAAAAAAAAAAAAAAAAAAAAAAAFAAAADwAAAAAAAAAAAAAAAAAAAAPAAAAAQAAACMAAAAjAAAAIwAAAB4AAAAAAAAAZAAAAGQAAAAAAAAAZAAAAGQAAAAVAAAAYAAAAAAAAAAAAAAADwAAACADAAAAAAAAAAAAAAEAAACgMgAAVgcAAKr4//8BAAAAf39/AAEAAABkAAAAAAAAABQAAABAHwAAAAAAACYAAAAAAAAAwOD//wAAAAAmAAAAZAAAABYAAABMAAAAAAAAAAAAAAAEAAAAAAAAAAEAAADn5uYKAAAAACgAAAAoAAAAZAAAAGQAAAAAAAAAzMzMAAAAAABQAAAAUAAAAGQAAABkAAAAAAAAABcAAAAUAAAAAAAAAAAAAAD/fwAA/38AAAAAAAAJAAAABAAAAAAAAAAeAAAAaAAAAAAAAAAAAAAAAAAAAAAAAAAAAAAAECcAABAnAAAAAAAAAAAAAAAAAAAAAAAAAAAAAAAAAAAAAAAAAAAAABQAAAAAAAAAwMD/AAAAAABkAAAAMgAAAAAAAABkAAAAAAAAAH9/fwAKAAAAIgAAABgAAAAAAAAAAAAAAAAAAAAAAAAAAAAAAAAAAAAkAAAAJAAAAAAAAAAHAAAAAAAAAAAAAAAAAAAAAAAAAAAAAAAAAAAAf39/ACUAAABYAAAAAAAAAAAAAAAAAAAAAAAAAAAAAAAAAAAAAAAAAAAAAAAAAAAAAAAAAAAAAAA/AAAAAAAAAKCGAQAAAAAAAAAAAAAAAAAMAAAAAQAAAAAAAAAAAAAAAAAAAB8AAABUAAAA////AAAAAAEAAAAAAAAAAAAAAAAAAAAAAAAAAAAAAAAAAAAAAAAAAAAAAAB/f38AAAAAA8zMzADAwP8Af39/AAAAAAAAAAAAAAAAAAAAAAAAAAAAIQAAABgAAAAUAAAAwAMAAK8BAAA/RwAAuQgAABAAAAAmAAAACAAAAL0vAAAAAAAA"/>
               </a:ext>
             </a:extLst>
           </p:cNvSpPr>
@@ -7443,7 +7446,7 @@
             <a:spLocks noGrp="1" noChangeArrowheads="1"/>
             <a:extLst>
               <a:ext uri="smNativeData">
-                <pr:smNativeData xmlns="smNativeData" xmlns:pr="smNativeData" xmlns:p15="http://schemas.microsoft.com/office/powerpoint/2012/main" xmlns:p14="http://schemas.microsoft.com/office/powerpoint/2010/main" xmlns:mc="http://schemas.openxmlformats.org/markup-compatibility/2006" val="SMDATA_15_q5OGZBMAAAAlAAAAZAAAAA0AAAAAAAAAAAAAAAAAAAAAAAAAAAAAAAAAAAAAAAAAAAEAAABQAAAAAAAAAAAA4D8AAAAAAADgPwAAAAAAAOA/AAAAAAAA4D8AAAAAAADgPwAAAAAAAOA/AAAAAAAA4D8AAAAAAADgPwAAAAAAAOA/AAAAAAAA4D8CAAAAjAAAAAAAAAAAAAAA////AP///wgAAAAAAAAAAAAAAAAAAAAAAAAAAAAAAAAAAAAAeAAAAAEAAABAAAAAAAAAAAAAAABaAAAAAAAAAAAAAAAAAAAAAAAAAAAAAAAAAAAAAAAAAAAAAAAAAAAAAAAAAAAAAAAAAAAAAAAAAAAAAAAAAAAAAAAAAAAAAAAAAAAAFAAAADwAAAAAAAAAAAAAAAAAAAAPAAAAAQAAACMAAAAjAAAAIwAAAB4AAAAAAAAAZAAAAGQAAAAAAAAAZAAAAGQAAAAVAAAAYAAAAAAAAAAAAAAADwAAACADAAAAAAAAAAAAAAEAAACgMgAAVgcAAKr4//8BAAAAf39/AAEAAABkAAAAAAAAABQAAABAHwAAAAAAACYAAAAAAAAAwOD//wAAAAAmAAAAZAAAABYAAABMAAAAAAAAAAAAAAAEAAAAAAAAAAEAAADn5uYKAAAAACgAAAAoAAAAZAAAAGQAAAAAAAAAzMzMAAAAAABQAAAAUAAAAGQAAABkAAAAAAAAABcAAAAUAAAAAAAAAAAAAAD/fwAA/38AAAAAAAAJAAAABAAAAAAAAAAeAAAAaAAAAAAAAAAAAAAAAAAAAAAAAAAAAAAAECcAABAnAAAAAAAAAAAAAAAAAAAAAAAAAAAAAAAAAAAAAAAAAAAAABQAAAAAAAAAwMD/AAAAAABkAAAAMgAAAAAAAABkAAAAAAAAAH9/fwAKAAAAIgAAABgAAAAAAAAAAAAAAAAAAAAAAAAAAAAAAAAAAAAkAAAAJAAAAAAAAAAHAAAAAAAAAAAAAAAAAAAAAAAAAAAAAAAAAAAAf39/ACUAAABYAAAAAAAAAAAAAAAAAAAAAAAAAAAAAAAAAAAAAAAAAAAAAAAAAAAAAAAAAAAAAAA/AAAAAAAAAKCGAQAAAAAAAAAAAAAAAAAMAAAAAQAAAAAAAAAAAAAAAAAAAB8AAABUAAAA////AAAAAAEAAAAAAAAAAAAAAAAAAAAAAAAAAAAAAAAAAAAAAAAAAAAAAAB/f38AAAAAA8zMzADAwP8Af39/AAAAAAAAAAAAAAAAAAAAAAAAAAAAIQAAABgAAAAUAAAAwAMAAN8JAAA/RwAAViIAABAAAAAmAAAACAAAAD0vAAAAAAAA"/>
+                <pr:smNativeData xmlns:mc="http://schemas.openxmlformats.org/markup-compatibility/2006" xmlns:p14="http://schemas.microsoft.com/office/powerpoint/2010/main" xmlns:p15="http://schemas.microsoft.com/office/powerpoint/2012/main" xmlns:pr="smNativeData" xmlns="smNativeData" val="SMDATA_15_q5OGZBMAAAAlAAAAZAAAAA0AAAAAAAAAAAAAAAAAAAAAAAAAAAAAAAAAAAAAAAAAAAEAAABQAAAAAAAAAAAA4D8AAAAAAADgPwAAAAAAAOA/AAAAAAAA4D8AAAAAAADgPwAAAAAAAOA/AAAAAAAA4D8AAAAAAADgPwAAAAAAAOA/AAAAAAAA4D8CAAAAjAAAAAAAAAAAAAAA////AP///wgAAAAAAAAAAAAAAAAAAAAAAAAAAAAAAAAAAAAAeAAAAAEAAABAAAAAAAAAAAAAAABaAAAAAAAAAAAAAAAAAAAAAAAAAAAAAAAAAAAAAAAAAAAAAAAAAAAAAAAAAAAAAAAAAAAAAAAAAAAAAAAAAAAAAAAAAAAAAAAAAAAAFAAAADwAAAAAAAAAAAAAAAAAAAAPAAAAAQAAACMAAAAjAAAAIwAAAB4AAAAAAAAAZAAAAGQAAAAAAAAAZAAAAGQAAAAVAAAAYAAAAAAAAAAAAAAADwAAACADAAAAAAAAAAAAAAEAAACgMgAAVgcAAKr4//8BAAAAf39/AAEAAABkAAAAAAAAABQAAABAHwAAAAAAACYAAAAAAAAAwOD//wAAAAAmAAAAZAAAABYAAABMAAAAAAAAAAAAAAAEAAAAAAAAAAEAAADn5uYKAAAAACgAAAAoAAAAZAAAAGQAAAAAAAAAzMzMAAAAAABQAAAAUAAAAGQAAABkAAAAAAAAABcAAAAUAAAAAAAAAAAAAAD/fwAA/38AAAAAAAAJAAAABAAAAAAAAAAeAAAAaAAAAAAAAAAAAAAAAAAAAAAAAAAAAAAAECcAABAnAAAAAAAAAAAAAAAAAAAAAAAAAAAAAAAAAAAAAAAAAAAAABQAAAAAAAAAwMD/AAAAAABkAAAAMgAAAAAAAABkAAAAAAAAAH9/fwAKAAAAIgAAABgAAAAAAAAAAAAAAAAAAAAAAAAAAAAAAAAAAAAkAAAAJAAAAAAAAAAHAAAAAAAAAAAAAAAAAAAAAAAAAAAAAAAAAAAAf39/ACUAAABYAAAAAAAAAAAAAAAAAAAAAAAAAAAAAAAAAAAAAAAAAAAAAAAAAAAAAAAAAAAAAAA/AAAAAAAAAKCGAQAAAAAAAAAAAAAAAAAMAAAAAQAAAAAAAAAAAAAAAAAAAB8AAABUAAAA////AAAAAAEAAAAAAAAAAAAAAAAAAAAAAAAAAAAAAAAAAAAAAAAAAAAAAAB/f38AAAAAA8zMzADAwP8Af39/AAAAAAAAAAAAAAAAAAAAAAAAAAAAIQAAABgAAAAUAAAAwAMAAN8JAAA/RwAAViIAABAAAAAmAAAACAAAAD0vAAAAAAAA"/>
               </a:ext>
             </a:extLst>
           </p:cNvSpPr>
@@ -8277,7 +8280,7 @@
             <a:spLocks noGrp="1" noChangeArrowheads="1"/>
             <a:extLst>
               <a:ext uri="smNativeData">
-                <pr:smNativeData xmlns="smNativeData" xmlns:pr="smNativeData" xmlns:p15="http://schemas.microsoft.com/office/powerpoint/2012/main" xmlns:p14="http://schemas.microsoft.com/office/powerpoint/2010/main" xmlns:mc="http://schemas.openxmlformats.org/markup-compatibility/2006" val="SMDATA_15_q5OGZBMAAAAlAAAAZAAAAA0AAAAAAAAAAAAAAAAAAAAAAAAAAAAAAAABAAAAAAAAAAEAAABQAAAAAAAAAAAA4D8AAAAAAADgPwAAAAAAAOA/AAAAAAAA4D8AAAAAAADgPwAAAAAAAOA/AAAAAAAA4D8AAAAAAADgPwAAAAAAAOA/AAAAAAAA4D8CAAAAjAAAAAAAAAAAAAAA////AP///wgAAAAAAAAAAAAAAAAAAAAAAAAAAAAAAAAAAAAAeAAAAAEAAABAAAAAAAAAAAAAAABaAAAAAAAAAAAAAAAAAAAAAAAAAAAAAAAAAAAAAAAAAAAAAAAAAAAAAAAAAAAAAAAAAAAAAAAAAAAAAAAAAAAAAAAAAAAAAAAAAAAAFAAAADwAAAAAAAAAAAAAAAAAAAAPAAAAAQAAACMAAAAjAAAAIwAAAB4AAAAAAAAAZAAAAGQAAAAAAAAAZAAAAGQAAAAVAAAAYAAAAAAAAAAAAAAADwAAACADAAAAAAAAAAAAAAEAAACgMgAAVgcAAKr4//8BAAAAf39/AAEAAABkAAAAAAAAABQAAABAHwAAAAAAACYAAAAAAAAAwOD//wAAAAAmAAAAZAAAABYAAABMAAAAAAAAAAAAAAAEAAAAAAAAAAEAAADn5uYKAAAAACgAAAAoAAAAZAAAAGQAAAAAAAAAzMzMAAAAAABQAAAAUAAAAGQAAABkAAAAAAAAABcAAAAUAAAAAAAAAAAAAAD/fwAA/38AAAAAAAAJAAAABAAAAAAAAAAeAAAAaAAAAAAAAAAAAAAAAAAAAAAAAAAAAAAAECcAABAnAAAAAAAAAAAAAAAAAAAAAAAAAAAAAAAAAAAAAAAAAAAAABQAAAAAAAAAwMD/AAAAAABkAAAAMgAAAAAAAABkAAAAAAAAAH9/fwAKAAAAIgAAABgAAAAAAAAAAAAAAAAAAAAAAAAAAAAAAAAAAAAkAAAAJAAAAAAAAAAHAAAAAAAAAAAAAAAAAAAAAAAAAAAAAAAAAAAAf39/ACUAAABYAAAAAAAAAAAAAAAAAAAAAAAAAAAAAAAAAAAAAAAAAAAAAAAAAAAAAAAAAAAAAAA/AAAAAAAAAKCGAQAAAAAAAAAAAAAAAAAMAAAAAQAAAAAAAAAAAAAAAAAAAB8AAABUAAAA////AAAAAAEAAAAAAAAAAAAAAAAAAAAAAAAAAAAAAAAAAAAAAAAAAAAAAAB/f38AAAAAA8zMzADAwP8Af39/AAAAAAAAAAAAAAAAAAAAAAAAAAAAIQAAABgAAAAUAAAAwAMAAK8BAAA/RwAAuggAABAAAAAmAAAACAAAAL0vAAAAAAAA"/>
+                <pr:smNativeData xmlns:mc="http://schemas.openxmlformats.org/markup-compatibility/2006" xmlns:p14="http://schemas.microsoft.com/office/powerpoint/2010/main" xmlns:p15="http://schemas.microsoft.com/office/powerpoint/2012/main" xmlns:pr="smNativeData" xmlns="smNativeData" val="SMDATA_15_q5OGZBMAAAAlAAAAZAAAAA0AAAAAAAAAAAAAAAAAAAAAAAAAAAAAAAABAAAAAAAAAAEAAABQAAAAAAAAAAAA4D8AAAAAAADgPwAAAAAAAOA/AAAAAAAA4D8AAAAAAADgPwAAAAAAAOA/AAAAAAAA4D8AAAAAAADgPwAAAAAAAOA/AAAAAAAA4D8CAAAAjAAAAAAAAAAAAAAA////AP///wgAAAAAAAAAAAAAAAAAAAAAAAAAAAAAAAAAAAAAeAAAAAEAAABAAAAAAAAAAAAAAABaAAAAAAAAAAAAAAAAAAAAAAAAAAAAAAAAAAAAAAAAAAAAAAAAAAAAAAAAAAAAAAAAAAAAAAAAAAAAAAAAAAAAAAAAAAAAAAAAAAAAFAAAADwAAAAAAAAAAAAAAAAAAAAPAAAAAQAAACMAAAAjAAAAIwAAAB4AAAAAAAAAZAAAAGQAAAAAAAAAZAAAAGQAAAAVAAAAYAAAAAAAAAAAAAAADwAAACADAAAAAAAAAAAAAAEAAACgMgAAVgcAAKr4//8BAAAAf39/AAEAAABkAAAAAAAAABQAAABAHwAAAAAAACYAAAAAAAAAwOD//wAAAAAmAAAAZAAAABYAAABMAAAAAAAAAAAAAAAEAAAAAAAAAAEAAADn5uYKAAAAACgAAAAoAAAAZAAAAGQAAAAAAAAAzMzMAAAAAABQAAAAUAAAAGQAAABkAAAAAAAAABcAAAAUAAAAAAAAAAAAAAD/fwAA/38AAAAAAAAJAAAABAAAAAAAAAAeAAAAaAAAAAAAAAAAAAAAAAAAAAAAAAAAAAAAECcAABAnAAAAAAAAAAAAAAAAAAAAAAAAAAAAAAAAAAAAAAAAAAAAABQAAAAAAAAAwMD/AAAAAABkAAAAMgAAAAAAAABkAAAAAAAAAH9/fwAKAAAAIgAAABgAAAAAAAAAAAAAAAAAAAAAAAAAAAAAAAAAAAAkAAAAJAAAAAAAAAAHAAAAAAAAAAAAAAAAAAAAAAAAAAAAAAAAAAAAf39/ACUAAABYAAAAAAAAAAAAAAAAAAAAAAAAAAAAAAAAAAAAAAAAAAAAAAAAAAAAAAAAAAAAAAA/AAAAAAAAAKCGAQAAAAAAAAAAAAAAAAAMAAAAAQAAAAAAAAAAAAAAAAAAAB8AAABUAAAA////AAAAAAEAAAAAAAAAAAAAAAAAAAAAAAAAAAAAAAAAAAAAAAAAAAAAAAB/f38AAAAAA8zMzADAwP8Af39/AAAAAAAAAAAAAAAAAAAAAAAAAAAAIQAAABgAAAAUAAAAwAMAAK8BAAA/RwAAuggAABAAAAAmAAAACAAAAL0vAAAAAAAA"/>
               </a:ext>
             </a:extLst>
           </p:cNvSpPr>
@@ -8319,7 +8322,7 @@
             <a:spLocks noGrp="1" noChangeArrowheads="1"/>
             <a:extLst>
               <a:ext uri="smNativeData">
-                <pr:smNativeData xmlns="smNativeData" xmlns:pr="smNativeData" xmlns:p15="http://schemas.microsoft.com/office/powerpoint/2012/main" xmlns:p14="http://schemas.microsoft.com/office/powerpoint/2010/main" xmlns:mc="http://schemas.openxmlformats.org/markup-compatibility/2006" val="SMDATA_15_q5OGZBMAAAAlAAAAZAAAAA0AAAAAAAAAAAAAAAAAAAAAAAAAAAAAAAAAAAAAAAAAAAEAAABQAAAAAAAAAAAA4D8AAAAAAADgPwAAAAAAAOA/AAAAAAAA4D8AAAAAAADgPwAAAAAAAOA/AAAAAAAA4D8AAAAAAADgPwAAAAAAAOA/AAAAAAAA4D8CAAAAjAAAAAAAAAAAAAAA////AP///wgAAAAAAAAAAAAAAAAAAAAAAAAAAAAAAAAAAAAAeAAAAAEAAABAAAAAAAAAAAAAAABaAAAAAAAAAAAAAAAAAAAAAAAAAAAAAAAAAAAAAAAAAAAAAAAAAAAAAAAAAAAAAAAAAAAAAAAAAAAAAAAAAAAAAAAAAAAAAAAAAAAAFAAAADwAAAAAAAAAAAAAAAAAAAAPAAAAAQAAACMAAAAjAAAAIwAAAB4AAAAAAAAAZAAAAGQAAAAAAAAAZAAAAGQAAAAVAAAAYAAAAAAAAAAAAAAADwAAACADAAAAAAAAAAAAAAEAAACgMgAAVgcAAKr4//8BAAAAf39/AAEAAABkAAAAAAAAABQAAABAHwAAAAAAACYAAAAAAAAAwOD//wAAAAAmAAAAZAAAABYAAABMAAAAAAAAAAAAAAAEAAAAAAAAAAEAAADn5uYKAAAAACgAAAAoAAAAZAAAAGQAAAAAAAAAzMzMAAAAAABQAAAAUAAAAGQAAABkAAAAAAAAABcAAAAUAAAAAAAAAAAAAAD/fwAA/38AAAAAAAAJAAAABAAAAAAAAAAeAAAAaAAAAAAAAAAAAAAAAAAAAAAAAAAAAAAAECcAABAnAAAAAAAAAAAAAAAAAAAAAAAAAAAAAAAAAAAAAAAAAAAAABQAAAAAAAAAwMD/AAAAAABkAAAAMgAAAAAAAABkAAAAAAAAAH9/fwAKAAAAIgAAABgAAAAAAAAAAAAAAAAAAAAAAAAAAAAAAAAAAAAkAAAAJAAAAAAAAAAHAAAAAAAAAAAAAAAAAAAAAAAAAAAAAAAAAAAAf39/ACUAAABYAAAAAAAAAAAAAAAAAAAAAAAAAAAAAAAAAAAAAAAAAAAAAAAAAAAAAAAAAAAAAAA/AAAAAAAAAKCGAQAAAAAAAAAAAAAAAAAMAAAAAQAAAAAAAAAAAAAAAAAAAB8AAABUAAAA////AAAAAAEAAAAAAAAAAAAAAAAAAAAAAAAAAAAAAAAAAAAAAAAAAAAAAAB/f38AAAAAA8zMzADAwP8Af39/AAAAAAAAAAAAAAAAAAAAAAAAAAAAIQAAABgAAAAUAAAAwAMAAN8JAAA/RwAAViIAABAAAAAmAAAACAAAAD0vAAAAAAAA"/>
+                <pr:smNativeData xmlns:mc="http://schemas.openxmlformats.org/markup-compatibility/2006" xmlns:p14="http://schemas.microsoft.com/office/powerpoint/2010/main" xmlns:p15="http://schemas.microsoft.com/office/powerpoint/2012/main" xmlns:pr="smNativeData" xmlns="smNativeData" val="SMDATA_15_q5OGZBMAAAAlAAAAZAAAAA0AAAAAAAAAAAAAAAAAAAAAAAAAAAAAAAAAAAAAAAAAAAEAAABQAAAAAAAAAAAA4D8AAAAAAADgPwAAAAAAAOA/AAAAAAAA4D8AAAAAAADgPwAAAAAAAOA/AAAAAAAA4D8AAAAAAADgPwAAAAAAAOA/AAAAAAAA4D8CAAAAjAAAAAAAAAAAAAAA////AP///wgAAAAAAAAAAAAAAAAAAAAAAAAAAAAAAAAAAAAAeAAAAAEAAABAAAAAAAAAAAAAAABaAAAAAAAAAAAAAAAAAAAAAAAAAAAAAAAAAAAAAAAAAAAAAAAAAAAAAAAAAAAAAAAAAAAAAAAAAAAAAAAAAAAAAAAAAAAAAAAAAAAAFAAAADwAAAAAAAAAAAAAAAAAAAAPAAAAAQAAACMAAAAjAAAAIwAAAB4AAAAAAAAAZAAAAGQAAAAAAAAAZAAAAGQAAAAVAAAAYAAAAAAAAAAAAAAADwAAACADAAAAAAAAAAAAAAEAAACgMgAAVgcAAKr4//8BAAAAf39/AAEAAABkAAAAAAAAABQAAABAHwAAAAAAACYAAAAAAAAAwOD//wAAAAAmAAAAZAAAABYAAABMAAAAAAAAAAAAAAAEAAAAAAAAAAEAAADn5uYKAAAAACgAAAAoAAAAZAAAAGQAAAAAAAAAzMzMAAAAAABQAAAAUAAAAGQAAABkAAAAAAAAABcAAAAUAAAAAAAAAAAAAAD/fwAA/38AAAAAAAAJAAAABAAAAAAAAAAeAAAAaAAAAAAAAAAAAAAAAAAAAAAAAAAAAAAAECcAABAnAAAAAAAAAAAAAAAAAAAAAAAAAAAAAAAAAAAAAAAAAAAAABQAAAAAAAAAwMD/AAAAAABkAAAAMgAAAAAAAABkAAAAAAAAAH9/fwAKAAAAIgAAABgAAAAAAAAAAAAAAAAAAAAAAAAAAAAAAAAAAAAkAAAAJAAAAAAAAAAHAAAAAAAAAAAAAAAAAAAAAAAAAAAAAAAAAAAAf39/ACUAAABYAAAAAAAAAAAAAAAAAAAAAAAAAAAAAAAAAAAAAAAAAAAAAAAAAAAAAAAAAAAAAAA/AAAAAAAAAKCGAQAAAAAAAAAAAAAAAAAMAAAAAQAAAAAAAAAAAAAAAAAAAB8AAABUAAAA////AAAAAAEAAAAAAAAAAAAAAAAAAAAAAAAAAAAAAAAAAAAAAAAAAAAAAAB/f38AAAAAA8zMzADAwP8Af39/AAAAAAAAAAAAAAAAAAAAAAAAAAAAIQAAABgAAAAUAAAAwAMAAN8JAAA/RwAAViIAABAAAAAmAAAACAAAAD0vAAAAAAAA"/>
               </a:ext>
             </a:extLst>
           </p:cNvSpPr>
@@ -9153,7 +9156,7 @@
             <a:spLocks noGrp="1" noChangeArrowheads="1"/>
             <a:extLst>
               <a:ext uri="smNativeData">
-                <pr:smNativeData xmlns="smNativeData" xmlns:pr="smNativeData" xmlns:p15="http://schemas.microsoft.com/office/powerpoint/2012/main" xmlns:p14="http://schemas.microsoft.com/office/powerpoint/2010/main" xmlns:mc="http://schemas.openxmlformats.org/markup-compatibility/2006" val="SMDATA_15_q5OGZBMAAAAlAAAAZAAAAA0AAAAAAAAAAAAAAAAAAAAAAAAAAAAAAAABAAAAAAAAAAEAAABQAAAAAAAAAAAA4D8AAAAAAADgPwAAAAAAAOA/AAAAAAAA4D8AAAAAAADgPwAAAAAAAOA/AAAAAAAA4D8AAAAAAADgPwAAAAAAAOA/AAAAAAAA4D8CAAAAjAAAAAAAAAAAAAAA////AP///wgAAAAAAAAAAAAAAAAAAAAAAAAAAAAAAAAAAAAAeAAAAAEAAABAAAAAAAAAAAAAAABaAAAAAAAAAAAAAAAAAAAAAAAAAAAAAAAAAAAAAAAAAAAAAAAAAAAAAAAAAAAAAAAAAAAAAAAAAAAAAAAAAAAAAAAAAAAAAAAAAAAAFAAAADwAAAAAAAAAAAAAAAAAAAAPAAAAAQAAACMAAAAjAAAAIwAAAB4AAAAAAAAAZAAAAGQAAAAAAAAAZAAAAGQAAAAVAAAAYAAAAAAAAAAAAAAADwAAACADAAAAAAAAAAAAAAEAAACgMgAAVgcAAKr4//8BAAAAf39/AAEAAABkAAAAAAAAABQAAABAHwAAAAAAACYAAAAAAAAAwOD//wAAAAAmAAAAZAAAABYAAABMAAAAAAAAAAAAAAAEAAAAAAAAAAEAAADn5uYKAAAAACgAAAAoAAAAZAAAAGQAAAAAAAAAzMzMAAAAAABQAAAAUAAAAGQAAABkAAAAAAAAABcAAAAUAAAAAAAAAAAAAAD/fwAA/38AAAAAAAAJAAAABAAAAAAAAAAeAAAAaAAAAAAAAAAAAAAAAAAAAAAAAAAAAAAAECcAABAnAAAAAAAAAAAAAAAAAAAAAAAAAAAAAAAAAAAAAAAAAAAAABQAAAAAAAAAwMD/AAAAAABkAAAAMgAAAAAAAABkAAAAAAAAAH9/fwAKAAAAIgAAABgAAAAAAAAAAAAAAAAAAAAAAAAAAAAAAAAAAAAkAAAAJAAAAAAAAAAHAAAAAAAAAAAAAAAAAAAAAAAAAAAAAAAAAAAAf39/ACUAAABYAAAAAAAAAAAAAAAAAAAAAAAAAAAAAAAAAAAAAAAAAAAAAAAAAAAAAAAAAAAAAAA/AAAAAAAAAKCGAQAAAAAAAAAAAAAAAAAMAAAAAQAAAAAAAAAAAAAAAAAAAB8AAABUAAAA////AAAAAAEAAAAAAAAAAAAAAAAAAAAAAAAAAAAAAAAAAAAAAAAAAAAAAAB/f38AAAAAA8zMzADAwP8Af39/AAAAAAAAAAAAAAAAAAAAAAAAAAAAIQAAABgAAAAUAAAAwAMAAK8BAAA/RwAAuggAABAAAAAmAAAACAAAAL0vAAAAAAAA"/>
+                <pr:smNativeData xmlns:mc="http://schemas.openxmlformats.org/markup-compatibility/2006" xmlns:p14="http://schemas.microsoft.com/office/powerpoint/2010/main" xmlns:p15="http://schemas.microsoft.com/office/powerpoint/2012/main" xmlns:pr="smNativeData" xmlns="smNativeData" val="SMDATA_15_q5OGZBMAAAAlAAAAZAAAAA0AAAAAAAAAAAAAAAAAAAAAAAAAAAAAAAABAAAAAAAAAAEAAABQAAAAAAAAAAAA4D8AAAAAAADgPwAAAAAAAOA/AAAAAAAA4D8AAAAAAADgPwAAAAAAAOA/AAAAAAAA4D8AAAAAAADgPwAAAAAAAOA/AAAAAAAA4D8CAAAAjAAAAAAAAAAAAAAA////AP///wgAAAAAAAAAAAAAAAAAAAAAAAAAAAAAAAAAAAAAeAAAAAEAAABAAAAAAAAAAAAAAABaAAAAAAAAAAAAAAAAAAAAAAAAAAAAAAAAAAAAAAAAAAAAAAAAAAAAAAAAAAAAAAAAAAAAAAAAAAAAAAAAAAAAAAAAAAAAAAAAAAAAFAAAADwAAAAAAAAAAAAAAAAAAAAPAAAAAQAAACMAAAAjAAAAIwAAAB4AAAAAAAAAZAAAAGQAAAAAAAAAZAAAAGQAAAAVAAAAYAAAAAAAAAAAAAAADwAAACADAAAAAAAAAAAAAAEAAACgMgAAVgcAAKr4//8BAAAAf39/AAEAAABkAAAAAAAAABQAAABAHwAAAAAAACYAAAAAAAAAwOD//wAAAAAmAAAAZAAAABYAAABMAAAAAAAAAAAAAAAEAAAAAAAAAAEAAADn5uYKAAAAACgAAAAoAAAAZAAAAGQAAAAAAAAAzMzMAAAAAABQAAAAUAAAAGQAAABkAAAAAAAAABcAAAAUAAAAAAAAAAAAAAD/fwAA/38AAAAAAAAJAAAABAAAAAAAAAAeAAAAaAAAAAAAAAAAAAAAAAAAAAAAAAAAAAAAECcAABAnAAAAAAAAAAAAAAAAAAAAAAAAAAAAAAAAAAAAAAAAAAAAABQAAAAAAAAAwMD/AAAAAABkAAAAMgAAAAAAAABkAAAAAAAAAH9/fwAKAAAAIgAAABgAAAAAAAAAAAAAAAAAAAAAAAAAAAAAAAAAAAAkAAAAJAAAAAAAAAAHAAAAAAAAAAAAAAAAAAAAAAAAAAAAAAAAAAAAf39/ACUAAABYAAAAAAAAAAAAAAAAAAAAAAAAAAAAAAAAAAAAAAAAAAAAAAAAAAAAAAAAAAAAAAA/AAAAAAAAAKCGAQAAAAAAAAAAAAAAAAAMAAAAAQAAAAAAAAAAAAAAAAAAAB8AAABUAAAA////AAAAAAEAAAAAAAAAAAAAAAAAAAAAAAAAAAAAAAAAAAAAAAAAAAAAAAB/f38AAAAAA8zMzADAwP8Af39/AAAAAAAAAAAAAAAAAAAAAAAAAAAAIQAAABgAAAAUAAAAwAMAAK8BAAA/RwAAuggAABAAAAAmAAAACAAAAL0vAAAAAAAA"/>
               </a:ext>
             </a:extLst>
           </p:cNvSpPr>
@@ -9195,7 +9198,7 @@
             <a:spLocks noGrp="1" noChangeArrowheads="1"/>
             <a:extLst>
               <a:ext uri="smNativeData">
-                <pr:smNativeData xmlns="smNativeData" xmlns:pr="smNativeData" xmlns:p15="http://schemas.microsoft.com/office/powerpoint/2012/main" xmlns:p14="http://schemas.microsoft.com/office/powerpoint/2010/main" xmlns:mc="http://schemas.openxmlformats.org/markup-compatibility/2006" val="SMDATA_15_q5OGZBMAAAAlAAAAZAAAAA0AAAAAAAAAAAAAAAAAAAAAAAAAAAAAAAAAAAAAAAAAAAEAAABQAAAAAAAAAAAA4D8AAAAAAADgPwAAAAAAAOA/AAAAAAAA4D8AAAAAAADgPwAAAAAAAOA/AAAAAAAA4D8AAAAAAADgPwAAAAAAAOA/AAAAAAAA4D8CAAAAjAAAAAAAAAAAAAAA////AP///wgAAAAAAAAAAAAAAAAAAAAAAAAAAAAAAAAAAAAAeAAAAAEAAABAAAAAAAAAAAAAAABaAAAAAAAAAAAAAAAAAAAAAAAAAAAAAAAAAAAAAAAAAAAAAAAAAAAAAAAAAAAAAAAAAAAAAAAAAAAAAAAAAAAAAAAAAAAAAAAAAAAAFAAAADwAAAAAAAAAAAAAAAAAAAAPAAAAAQAAACMAAAAjAAAAIwAAAB4AAAAAAAAAZAAAAGQAAAAAAAAAZAAAAGQAAAAVAAAAYAAAAAAAAAAAAAAADwAAACADAAAAAAAAAAAAAAEAAACgMgAAVgcAAKr4//8BAAAAf39/AAEAAABkAAAAAAAAABQAAABAHwAAAAAAACYAAAAAAAAAwOD//wAAAAAmAAAAZAAAABYAAABMAAAAAAAAAAAAAAAEAAAAAAAAAAEAAADn5uYKAAAAACgAAAAoAAAAZAAAAGQAAAAAAAAAzMzMAAAAAABQAAAAUAAAAGQAAABkAAAAAAAAABcAAAAUAAAAAAAAAAAAAAD/fwAA/38AAAAAAAAJAAAABAAAAGEAAAAeAAAAaAAAAAAAAAAAAAAAAAAAAAAAAAAAAAAAECcAABAnAAAAAAAAAAAAAAAAAAAAAAAAAAAAAAAAAAAAAAAAAAAAABQAAAAAAAAAwMD/AAAAAABkAAAAMgAAAAAAAABkAAAAAAAAAH9/fwAKAAAAIgAAABgAAAAAAAAAAAAAAAAAAAAAAAAAAAAAAAAAAAAkAAAAJAAAAAAAAAAHAAAAAAAAAAAAAAAAAAAAAAAAAAAAAAAAAAAAf39/ACUAAABYAAAAAAAAAAAAAAAAAAAAAAAAAAAAAAAAAAAAAAAAAAAAAAAAAAAAAAAAAAAAAAA/AAAAAAAAAKCGAQAAAAAAAAAAAAAAAAAMAAAAAQAAAAAAAAAAAAAAAAAAAB8AAABUAAAA////AAAAAAEAAAAAAAAAAAAAAAAAAAAAAAAAAAAAAAAAAAAAAAAAAAAAAAB/f38AAAAAA8zMzADAwP8Af39/AAAAAAAAAAAAAAAAAAAAAAAAAAAAIQAAABgAAAAUAAAAwAMAAN8JAAA/RwAAViIAABAAAAAmAAAACAAAAD0vAAAAAAAA"/>
+                <pr:smNativeData xmlns:mc="http://schemas.openxmlformats.org/markup-compatibility/2006" xmlns:p14="http://schemas.microsoft.com/office/powerpoint/2010/main" xmlns:p15="http://schemas.microsoft.com/office/powerpoint/2012/main" xmlns:pr="smNativeData" xmlns="smNativeData" val="SMDATA_15_q5OGZBMAAAAlAAAAZAAAAA0AAAAAAAAAAAAAAAAAAAAAAAAAAAAAAAAAAAAAAAAAAAEAAABQAAAAAAAAAAAA4D8AAAAAAADgPwAAAAAAAOA/AAAAAAAA4D8AAAAAAADgPwAAAAAAAOA/AAAAAAAA4D8AAAAAAADgPwAAAAAAAOA/AAAAAAAA4D8CAAAAjAAAAAAAAAAAAAAA////AP///wgAAAAAAAAAAAAAAAAAAAAAAAAAAAAAAAAAAAAAeAAAAAEAAABAAAAAAAAAAAAAAABaAAAAAAAAAAAAAAAAAAAAAAAAAAAAAAAAAAAAAAAAAAAAAAAAAAAAAAAAAAAAAAAAAAAAAAAAAAAAAAAAAAAAAAAAAAAAAAAAAAAAFAAAADwAAAAAAAAAAAAAAAAAAAAPAAAAAQAAACMAAAAjAAAAIwAAAB4AAAAAAAAAZAAAAGQAAAAAAAAAZAAAAGQAAAAVAAAAYAAAAAAAAAAAAAAADwAAACADAAAAAAAAAAAAAAEAAACgMgAAVgcAAKr4//8BAAAAf39/AAEAAABkAAAAAAAAABQAAABAHwAAAAAAACYAAAAAAAAAwOD//wAAAAAmAAAAZAAAABYAAABMAAAAAAAAAAAAAAAEAAAAAAAAAAEAAADn5uYKAAAAACgAAAAoAAAAZAAAAGQAAAAAAAAAzMzMAAAAAABQAAAAUAAAAGQAAABkAAAAAAAAABcAAAAUAAAAAAAAAAAAAAD/fwAA/38AAAAAAAAJAAAABAAAAGEAAAAeAAAAaAAAAAAAAAAAAAAAAAAAAAAAAAAAAAAAECcAABAnAAAAAAAAAAAAAAAAAAAAAAAAAAAAAAAAAAAAAAAAAAAAABQAAAAAAAAAwMD/AAAAAABkAAAAMgAAAAAAAABkAAAAAAAAAH9/fwAKAAAAIgAAABgAAAAAAAAAAAAAAAAAAAAAAAAAAAAAAAAAAAAkAAAAJAAAAAAAAAAHAAAAAAAAAAAAAAAAAAAAAAAAAAAAAAAAAAAAf39/ACUAAABYAAAAAAAAAAAAAAAAAAAAAAAAAAAAAAAAAAAAAAAAAAAAAAAAAAAAAAAAAAAAAAA/AAAAAAAAAKCGAQAAAAAAAAAAAAAAAAAMAAAAAQAAAAAAAAAAAAAAAAAAAB8AAABUAAAA////AAAAAAEAAAAAAAAAAAAAAAAAAAAAAAAAAAAAAAAAAAAAAAAAAAAAAAB/f38AAAAAA8zMzADAwP8Af39/AAAAAAAAAAAAAAAAAAAAAAAAAAAAIQAAABgAAAAUAAAAwAMAAN8JAAA/RwAAViIAABAAAAAmAAAACAAAAD0vAAAAAAAA"/>
               </a:ext>
             </a:extLst>
           </p:cNvSpPr>
@@ -10028,7 +10031,7 @@
           <p:cNvSpPr>
             <a:extLst>
               <a:ext uri="smNativeData">
-                <pr:smNativeData xmlns="smNativeData" xmlns:pr="smNativeData" xmlns:p15="http://schemas.microsoft.com/office/powerpoint/2012/main" xmlns:p14="http://schemas.microsoft.com/office/powerpoint/2010/main" xmlns:mc="http://schemas.openxmlformats.org/markup-compatibility/2006" val="SMDATA_15_q5OGZBMAAAAlAAAAqgAAAA0AAAAAkAAAAEgAAACQAAAASAAAAAAAAAAAAAAAAAAAAAEAAABQAAAAda9fBcX/xz8AAAAAAADgPwAAAAAAAOA/AAAAAAAA4D8AAAAAAADgPwAAAAAAAOA/AAAAAAAA4D8AAAAAAADgPwAAAAAAAOA/AAAAAAAA4D8CAAAAjAAAAAEAAAAAAAAANEBQAP///wgAAAAAAAAAAAAAAAAAAAAAAAAAAAAAAAAAAAAAZAAAAAEAAABAAAAAAAAAAAAAAAAAAAAAAAAAAAAAAAAAAAAAAAAAAAAAAAAAAAAAAAAAAAAAAAAAAAAAAAAAAAAAAAAAAAAAAAAAAAAAAAAAAAAAAAAAAAAAAAAAAAAAFAAAADwAAAABAAAAAAAAAP///wgoAAAAAQAAABQAAAAUAAAAFAAAAAEAAAAAAAAAZAAAAGQAAAAAAAAAZAAAAGQAAAAVAAAAYAAAAAAAAAAAAAAADwAAACADAAAAAAAAAAAAAAEAAACgMgAAVgcAAKr4//8BAAAAf39/AAEAAABkAAAAAAAAABQAAABAHwAAAAAAACYAAAAAAAAAwOD//wAAAAAmAAAAZAAAABYAAABMAAAAAAAAAAAAAAAEAAAAAAAAAAEAAADn5uYKAAAAACgAAAAoAAAAZAAAAGQAAAAAAAAAzMzMAAAAAABQAAAAUAAAAGQAAABkAAAAAAAAABcAAAAUAAAAAAAAAAAAAAD/fwAA/38AAAAAAAAJAAAABAAAAAAAAAAeAAAAaAAAAAAAAAAAAAAAAAAAAAAAAAAAAAAAECcAABAnAAAAAAAAAAAAAAAAAAAAAAAAAAAAAAAAAAAAAAAAAAAAABQAAAAAAAAAwMD/AAAAAABkAAAAMgAAAAAAAABkAAAAAAAAAH9/fwAKAAAAIgAAABgAAAAAAAAAAAAAAAAAAAAAAAAAAAAAAAAAAAAkAAAAJAAAAAAAAAAHAAAAAAAAAAAAAAAAAAAAAAAAAAAAAAAAAAAAf39/ACUAAABYAAAAAAAAAAAAAAAAAAAAAAAAAAAAAAAAAAAAAAAAAAAAAAAAAAAAAAAAAAAAAAA/AAAAAAAAAKCGAQAAAAAAAAAAAAAAAAAMAAAAAQAAAAAAAAAAAAAAAAAAAB8AAABUAAAANEBQAP///wEAAAAAAAAAAAAAAAAAAAAAAAAAAAAAAAAAAAAAAAAAAP///wF/f38A5+bmA8zMzADAwP8Af39/AAAAAAAAAAAAAAAAAAAAAAAAAAAAIQAAABgAAAAUAAAAAAAAAAAAAAD/SgAALyoAABAAAAAmAAAACAAAAP//////////"/>
+                <pr:smNativeData xmlns:mc="http://schemas.openxmlformats.org/markup-compatibility/2006" xmlns:p14="http://schemas.microsoft.com/office/powerpoint/2010/main" xmlns:p15="http://schemas.microsoft.com/office/powerpoint/2012/main" xmlns:pr="smNativeData" xmlns="smNativeData" val="SMDATA_15_q5OGZBMAAAAlAAAAqgAAAA0AAAAAkAAAAEgAAACQAAAASAAAAAAAAAAAAAAAAAAAAAEAAABQAAAAda9fBcX/xz8AAAAAAADgPwAAAAAAAOA/AAAAAAAA4D8AAAAAAADgPwAAAAAAAOA/AAAAAAAA4D8AAAAAAADgPwAAAAAAAOA/AAAAAAAA4D8CAAAAjAAAAAEAAAAAAAAANEBQAP///wgAAAAAAAAAAAAAAAAAAAAAAAAAAAAAAAAAAAAAZAAAAAEAAABAAAAAAAAAAAAAAAAAAAAAAAAAAAAAAAAAAAAAAAAAAAAAAAAAAAAAAAAAAAAAAAAAAAAAAAAAAAAAAAAAAAAAAAAAAAAAAAAAAAAAAAAAAAAAAAAAAAAAFAAAADwAAAABAAAAAAAAAP///wgoAAAAAQAAABQAAAAUAAAAFAAAAAEAAAAAAAAAZAAAAGQAAAAAAAAAZAAAAGQAAAAVAAAAYAAAAAAAAAAAAAAADwAAACADAAAAAAAAAAAAAAEAAACgMgAAVgcAAKr4//8BAAAAf39/AAEAAABkAAAAAAAAABQAAABAHwAAAAAAACYAAAAAAAAAwOD//wAAAAAmAAAAZAAAABYAAABMAAAAAAAAAAAAAAAEAAAAAAAAAAEAAADn5uYKAAAAACgAAAAoAAAAZAAAAGQAAAAAAAAAzMzMAAAAAABQAAAAUAAAAGQAAABkAAAAAAAAABcAAAAUAAAAAAAAAAAAAAD/fwAA/38AAAAAAAAJAAAABAAAAAAAAAAeAAAAaAAAAAAAAAAAAAAAAAAAAAAAAAAAAAAAECcAABAnAAAAAAAAAAAAAAAAAAAAAAAAAAAAAAAAAAAAAAAAAAAAABQAAAAAAAAAwMD/AAAAAABkAAAAMgAAAAAAAABkAAAAAAAAAH9/fwAKAAAAIgAAABgAAAAAAAAAAAAAAAAAAAAAAAAAAAAAAAAAAAAkAAAAJAAAAAAAAAAHAAAAAAAAAAAAAAAAAAAAAAAAAAAAAAAAAAAAf39/ACUAAABYAAAAAAAAAAAAAAAAAAAAAAAAAAAAAAAAAAAAAAAAAAAAAAAAAAAAAAAAAAAAAAA/AAAAAAAAAKCGAQAAAAAAAAAAAAAAAAAMAAAAAQAAAAAAAAAAAAAAAAAAAB8AAABUAAAANEBQAP///wEAAAAAAAAAAAAAAAAAAAAAAAAAAAAAAAAAAAAAAAAAAP///wF/f38A5+bmA8zMzADAwP8Af39/AAAAAAAAAAAAAAAAAAAAAAAAAAAAIQAAABgAAAAUAAAAAAAAAAAAAAD/SgAALyoAABAAAAAmAAAACAAAAP//////////"/>
               </a:ext>
             </a:extLst>
           </p:cNvSpPr>
@@ -10064,7 +10067,7 @@
           <p:cNvSpPr>
             <a:extLst>
               <a:ext uri="smNativeData">
-                <pr:smNativeData xmlns="smNativeData" xmlns:pr="smNativeData" xmlns:p15="http://schemas.microsoft.com/office/powerpoint/2012/main" xmlns:p14="http://schemas.microsoft.com/office/powerpoint/2010/main" xmlns:mc="http://schemas.openxmlformats.org/markup-compatibility/2006" val="SMDATA_15_q5OGZBMAAAAlAAAAZAAAAA0AAAAAjgAAAEcAAACOAAAARwAAAAAAAAABAAAAAAAAAAEAAABQAAAAAAAAAAAA4D8AAAAAAADgPwAAAAAAAOA/AAAAAAAA4D8AAAAAAADgPwAAAAAAAOA/AAAAAAAA4D8AAAAAAADgPwAAAAAAAOA/AAAAAAAA4D8CAAAAjAAAAAEAAAAAAAAAIis1AP///wgAAAAAAAAAAAAAAAAAAAAAAAAAAAAAAAAAAAAAZAAAAAEAAABAAAAAAAAAAAAAAAAAAAAAAAAAAAAAAAAAAAAAAAAAAAAAAAAAAAAAAAAAAAAAAAAAAAAAAAAAAAAAAAAAAAAAAAAAAAAAAAAAAAAAAAAAAAAAAAAAAAAAFAAAADwAAAABAAAAAAAAAOfm5gooAAAAAQAAABQAAAAUAAAAFAAAAAEAAAAAAAAAZAAAAGQAAAAAAAAAZAAAAGQAAAAVAAAAYAAAAAAAAAAAAAAADwAAACADAAAAAAAAAAAAAAEAAACgMgAAVgcAAKr4//8BAAAAf39/AAEAAABkAAAAAAAAABQAAABAHwAAAAAAACYAAAAAAAAAwOD//wAAAAAmAAAAZAAAABYAAABMAAAAAAAAAAAAAAAEAAAAAAAAAAEAAADn5uYKAAAAACgAAAAoAAAAZAAAAGQAAAAAAAAAzMzMAAAAAABQAAAAUAAAAGQAAABkAAAAAAAAABcAAAAUAAAAAAAAAAAAAAD/fwAA/38AAAAAAAAJAAAABAAAAAAAAAAeAAAAaAAAAAAAAAAAAAAAAAAAAAAAAAAAAAAAECcAABAnAAAAAAAAAAAAAAAAAAAAAAAAAAAAAAAAAAAAAAAAAAAAABQAAAAAAAAAwMD/AAAAAABkAAAAMgAAAAAAAABkAAAAAAAAAH9/fwAKAAAAIgAAABgAAAAAAAAAAAAAAAAAAAAAAAAAAAAAAAAAAAAkAAAAJAAAAAAAAAAHAAAAAAAAAAAAAAAAAAAAAAAAAAAAAAAAAAAAf39/ACUAAABYAAAAAAAAAAAAAAAAAAAAAAAAAAAAAAAAAAAAAAAAAAAAAAAAAAAAAAAAAAAAAAA/AAAAAAAAAKCGAQAAAAAAAAAAAAAAAAAMAAAAAQAAAAAAAAAAAAAAAAAAAB8AAABUAAAAIis1AP///wEAAAAAAAAAAAAAAAAAAAAAAAAAAAAAAAAAAAAAAAAAAOfm5gN/f38A5+bmA8zMzADAwP8Af39/AAAAAAAAAAAAAAAAAAAAAAAAAAAAIQAAABgAAAAUAAAAzg4AAIQMAAAxPAAAqx0AABAAAAAmAAAACAAAAP//////////"/>
+                <pr:smNativeData xmlns:mc="http://schemas.openxmlformats.org/markup-compatibility/2006" xmlns:p14="http://schemas.microsoft.com/office/powerpoint/2010/main" xmlns:p15="http://schemas.microsoft.com/office/powerpoint/2012/main" xmlns:pr="smNativeData" xmlns="smNativeData" val="SMDATA_15_q5OGZBMAAAAlAAAAZAAAAA0AAAAAjgAAAEcAAACOAAAARwAAAAAAAAABAAAAAAAAAAEAAABQAAAAAAAAAAAA4D8AAAAAAADgPwAAAAAAAOA/AAAAAAAA4D8AAAAAAADgPwAAAAAAAOA/AAAAAAAA4D8AAAAAAADgPwAAAAAAAOA/AAAAAAAA4D8CAAAAjAAAAAEAAAAAAAAAIis1AP///wgAAAAAAAAAAAAAAAAAAAAAAAAAAAAAAAAAAAAAZAAAAAEAAABAAAAAAAAAAAAAAAAAAAAAAAAAAAAAAAAAAAAAAAAAAAAAAAAAAAAAAAAAAAAAAAAAAAAAAAAAAAAAAAAAAAAAAAAAAAAAAAAAAAAAAAAAAAAAAAAAAAAAFAAAADwAAAABAAAAAAAAAOfm5gooAAAAAQAAABQAAAAUAAAAFAAAAAEAAAAAAAAAZAAAAGQAAAAAAAAAZAAAAGQAAAAVAAAAYAAAAAAAAAAAAAAADwAAACADAAAAAAAAAAAAAAEAAACgMgAAVgcAAKr4//8BAAAAf39/AAEAAABkAAAAAAAAABQAAABAHwAAAAAAACYAAAAAAAAAwOD//wAAAAAmAAAAZAAAABYAAABMAAAAAAAAAAAAAAAEAAAAAAAAAAEAAADn5uYKAAAAACgAAAAoAAAAZAAAAGQAAAAAAAAAzMzMAAAAAABQAAAAUAAAAGQAAABkAAAAAAAAABcAAAAUAAAAAAAAAAAAAAD/fwAA/38AAAAAAAAJAAAABAAAAAAAAAAeAAAAaAAAAAAAAAAAAAAAAAAAAAAAAAAAAAAAECcAABAnAAAAAAAAAAAAAAAAAAAAAAAAAAAAAAAAAAAAAAAAAAAAABQAAAAAAAAAwMD/AAAAAABkAAAAMgAAAAAAAABkAAAAAAAAAH9/fwAKAAAAIgAAABgAAAAAAAAAAAAAAAAAAAAAAAAAAAAAAAAAAAAkAAAAJAAAAAAAAAAHAAAAAAAAAAAAAAAAAAAAAAAAAAAAAAAAAAAAf39/ACUAAABYAAAAAAAAAAAAAAAAAAAAAAAAAAAAAAAAAAAAAAAAAAAAAAAAAAAAAAAAAAAAAAA/AAAAAAAAAKCGAQAAAAAAAAAAAAAAAAAMAAAAAQAAAAAAAAAAAAAAAAAAAB8AAABUAAAAIis1AP///wEAAAAAAAAAAAAAAAAAAAAAAAAAAAAAAAAAAAAAAAAAAOfm5gN/f38A5+bmA8zMzADAwP8Af39/AAAAAAAAAAAAAAAAAAAAAAAAAAAAIQAAABgAAAAUAAAAzg4AAIQMAAAxPAAAqx0AABAAAAAmAAAACAAAAP//////////"/>
               </a:ext>
             </a:extLst>
           </p:cNvSpPr>
@@ -10159,7 +10162,7 @@
           <p:cNvSpPr>
             <a:extLst>
               <a:ext uri="smNativeData">
-                <pr:smNativeData xmlns="smNativeData" xmlns:pr="smNativeData" xmlns:p15="http://schemas.microsoft.com/office/powerpoint/2012/main" xmlns:p14="http://schemas.microsoft.com/office/powerpoint/2010/main" xmlns:mc="http://schemas.openxmlformats.org/markup-compatibility/2006" val="SMDATA_15_q5OGZBMAAAAlAAAAqgAAAA0AAAAAkAAAAEgAAACQAAAASAAAAAAAAAAAAAAAAAAAAAEAAABQAAAAda9fBcX/xz8AAAAAAADgPwAAAAAAAOA/AAAAAAAA4D8AAAAAAADgPwAAAAAAAOA/AAAAAAAA4D8AAAAAAADgPwAAAAAAAOA/AAAAAAAA4D8CAAAAjAAAAAEAAAAAAAAANEBQAP///wgAAAAAAAAAAAAAAAAAAAAAAAAAAAAAAAAAAAAAZAAAAAEAAABAAAAAAAAAAAAAAAAAAAAAAAAAAAAAAAAAAAAAAAAAAAAAAAAAAAAAAAAAAAAAAAAAAAAAAAAAAAAAAAAAAAAAAAAAAAAAAAAAAAAAAAAAAAAAAAAAAAAAFAAAADwAAAABAAAAAAAAAP///wgoAAAAAQAAABQAAAAUAAAAFAAAAAEAAAAAAAAAZAAAAGQAAAAAAAAAZAAAAGQAAAAVAAAAYAAAAAAAAAAAAAAADwAAACADAAAAAAAAAAAAAAEAAACgMgAAVgcAAKr4//8BAAAAf39/AAEAAABkAAAAAAAAABQAAABAHwAAAAAAACYAAAAAAAAAwOD//wAAAAAmAAAAZAAAABYAAABMAAAAAAAAAAAAAAAEAAAAAAAAAAEAAADn5uYKAAAAACgAAAAoAAAAZAAAAGQAAAAAAAAAzMzMAAAAAABQAAAAUAAAAGQAAABkAAAAAAAAABcAAAAUAAAAAAAAAAAAAAD/fwAA/38AAAAAAAAJAAAABAAAAF8AYAAeAAAAaAAAAAAAAAAAAAAAAAAAAAAAAAAAAAAAECcAABAnAAAAAAAAAAAAAAAAAAAAAAAAAAAAAAAAAAAAAAAAAAAAABQAAAAAAAAAwMD/AAAAAABkAAAAMgAAAAAAAABkAAAAAAAAAH9/fwAKAAAAIgAAABgAAAAAAAAAAAAAAAAAAAAAAAAAAAAAAAAAAAAkAAAAJAAAAAAAAAAHAAAAAAAAAAAAAAAAAAAAAAAAAAAAAAAAAAAAf39/ACUAAABYAAAAAAAAAAAAAAAAAAAAAAAAAAAAAAAAAAAAAAAAAAAAAAAAAAAAAAAAAAAAAAA/AAAAAAAAAKCGAQAAAAAAAAAAAAAAAAAMAAAAAQAAAAAAAAAAAAAAAAAAAB8AAABUAAAANEBQAP///wEAAAAAAAAAAAAAAAAAAAAAAAAAAAAAAAAAAAAAAAAAAP///wF/f38A5+bmA8zMzADAwP8Af39/AAAAAAAAAAAAAAAAAAAAAAAAAAAAIQAAABgAAAAUAAAAAAAAAAAAAAD/SgAALyoAABAAAAAmAAAACAAAAP//////////"/>
+                <pr:smNativeData xmlns:mc="http://schemas.openxmlformats.org/markup-compatibility/2006" xmlns:p14="http://schemas.microsoft.com/office/powerpoint/2010/main" xmlns:p15="http://schemas.microsoft.com/office/powerpoint/2012/main" xmlns:pr="smNativeData" xmlns="smNativeData" val="SMDATA_15_q5OGZBMAAAAlAAAAqgAAAA0AAAAAkAAAAEgAAACQAAAASAAAAAAAAAAAAAAAAAAAAAEAAABQAAAAda9fBcX/xz8AAAAAAADgPwAAAAAAAOA/AAAAAAAA4D8AAAAAAADgPwAAAAAAAOA/AAAAAAAA4D8AAAAAAADgPwAAAAAAAOA/AAAAAAAA4D8CAAAAjAAAAAEAAAAAAAAANEBQAP///wgAAAAAAAAAAAAAAAAAAAAAAAAAAAAAAAAAAAAAZAAAAAEAAABAAAAAAAAAAAAAAAAAAAAAAAAAAAAAAAAAAAAAAAAAAAAAAAAAAAAAAAAAAAAAAAAAAAAAAAAAAAAAAAAAAAAAAAAAAAAAAAAAAAAAAAAAAAAAAAAAAAAAFAAAADwAAAABAAAAAAAAAP///wgoAAAAAQAAABQAAAAUAAAAFAAAAAEAAAAAAAAAZAAAAGQAAAAAAAAAZAAAAGQAAAAVAAAAYAAAAAAAAAAAAAAADwAAACADAAAAAAAAAAAAAAEAAACgMgAAVgcAAKr4//8BAAAAf39/AAEAAABkAAAAAAAAABQAAABAHwAAAAAAACYAAAAAAAAAwOD//wAAAAAmAAAAZAAAABYAAABMAAAAAAAAAAAAAAAEAAAAAAAAAAEAAADn5uYKAAAAACgAAAAoAAAAZAAAAGQAAAAAAAAAzMzMAAAAAABQAAAAUAAAAGQAAABkAAAAAAAAABcAAAAUAAAAAAAAAAAAAAD/fwAA/38AAAAAAAAJAAAABAAAAF8AYAAeAAAAaAAAAAAAAAAAAAAAAAAAAAAAAAAAAAAAECcAABAnAAAAAAAAAAAAAAAAAAAAAAAAAAAAAAAAAAAAAAAAAAAAABQAAAAAAAAAwMD/AAAAAABkAAAAMgAAAAAAAABkAAAAAAAAAH9/fwAKAAAAIgAAABgAAAAAAAAAAAAAAAAAAAAAAAAAAAAAAAAAAAAkAAAAJAAAAAAAAAAHAAAAAAAAAAAAAAAAAAAAAAAAAAAAAAAAAAAAf39/ACUAAABYAAAAAAAAAAAAAAAAAAAAAAAAAAAAAAAAAAAAAAAAAAAAAAAAAAAAAAAAAAAAAAA/AAAAAAAAAKCGAQAAAAAAAAAAAAAAAAAMAAAAAQAAAAAAAAAAAAAAAAAAAB8AAABUAAAANEBQAP///wEAAAAAAAAAAAAAAAAAAAAAAAAAAAAAAAAAAAAAAAAAAP///wF/f38A5+bmA8zMzADAwP8Af39/AAAAAAAAAAAAAAAAAAAAAAAAAAAAIQAAABgAAAAUAAAAAAAAAAAAAAD/SgAALyoAABAAAAAmAAAACAAAAP//////////"/>
               </a:ext>
             </a:extLst>
           </p:cNvSpPr>
@@ -10195,7 +10198,7 @@
           <p:cNvSpPr>
             <a:extLst>
               <a:ext uri="smNativeData">
-                <pr:smNativeData xmlns="smNativeData" xmlns:pr="smNativeData" xmlns:p15="http://schemas.microsoft.com/office/powerpoint/2012/main" xmlns:p14="http://schemas.microsoft.com/office/powerpoint/2010/main" xmlns:mc="http://schemas.openxmlformats.org/markup-compatibility/2006" val="SMDATA_15_q5OGZBMAAAAlAAAAZAAAAA0AAAAAjgAAAEcAAACOAAAARwAAAAAAAAABAAAAAAAAAAEAAABQAAAAAAAAAAAA4D8AAAAAAADgPwAAAAAAAOA/AAAAAAAA4D8AAAAAAADgPwAAAAAAAOA/AAAAAAAA4D8AAAAAAADgPwAAAAAAAOA/AAAAAAAA4D8CAAAAjAAAAAEAAAAAAAAAIis1AP///wgAAAAAAAAAAAAAAAAAAAAAAAAAAAAAAAAAAAAAZAAAAAEAAABAAAAAAAAAAAAAAAAAAAAAAAAAAAAAAAAAAAAAAAAAAAAAAAAAAAAAAAAAAAAAAAAAAAAAAAAAAAAAAAAAAAAAAAAAAAAAAAAAAAAAAAAAAAAAAAAAAAAAFAAAADwAAAABAAAAAAAAAOfm5gooAAAAAQAAABQAAAAUAAAAFAAAAAEAAAAAAAAAZAAAAGQAAAAAAAAAZAAAAGQAAAAVAAAAYAAAAAAAAAAAAAAADwAAACADAAAAAAAAAAAAAAEAAACgMgAAVgcAAKr4//8BAAAAf39/AAEAAABkAAAAAAAAABQAAABAHwAAAAAAACYAAAAAAAAAwOD//wAAAAAmAAAAZAAAABYAAABMAAAAAAAAAAAAAAAEAAAAAAAAAAEAAADn5uYKAAAAACgAAAAoAAAAZAAAAGQAAAAAAAAAzMzMAAAAAABQAAAAUAAAAGQAAABkAAAAAAAAABcAAAAUAAAAAAAAAAAAAAD/fwAA/38AAAAAAAAJAAAABAAAAJXSfIMeAAAAaAAAAAAAAAAAAAAAAAAAAAAAAAAAAAAAECcAABAnAAAAAAAAAAAAAAAAAAAAAAAAAAAAAAAAAAAAAAAAAAAAABQAAAAAAAAAwMD/AAAAAABkAAAAMgAAAAAAAABkAAAAAAAAAH9/fwAKAAAAIgAAABgAAAAAAAAAAAAAAAAAAAAAAAAAAAAAAAAAAAAkAAAAJAAAAAAAAAAHAAAAAAAAAAAAAAAAAAAAAAAAAAAAAAAAAAAAf39/ACUAAABYAAAAAAAAAAAAAAAAAAAAAAAAAAAAAAAAAAAAAAAAAAAAAAAAAAAAAAAAAAAAAAA/AAAAAAAAAKCGAQAAAAAAAAAAAAAAAAAMAAAAAQAAAAAAAAAAAAAAAAAAAB8AAABUAAAAIis1AP///wEAAAAAAAAAAAAAAAAAAAAAAAAAAAAAAAAAAAAAAAAAAOfm5gN/f38A5+bmA8zMzADAwP8Af39/AAAAAAAAAAAAAAAAAAAAAAAAAAAAIQAAABgAAAAUAAAAsRwAAD0BAABOLgAAOAUAABAAAAAmAAAACAAAAP//////////"/>
+                <pr:smNativeData xmlns:mc="http://schemas.openxmlformats.org/markup-compatibility/2006" xmlns:p14="http://schemas.microsoft.com/office/powerpoint/2010/main" xmlns:p15="http://schemas.microsoft.com/office/powerpoint/2012/main" xmlns:pr="smNativeData" xmlns="smNativeData" val="SMDATA_15_q5OGZBMAAAAlAAAAZAAAAA0AAAAAjgAAAEcAAACOAAAARwAAAAAAAAABAAAAAAAAAAEAAABQAAAAAAAAAAAA4D8AAAAAAADgPwAAAAAAAOA/AAAAAAAA4D8AAAAAAADgPwAAAAAAAOA/AAAAAAAA4D8AAAAAAADgPwAAAAAAAOA/AAAAAAAA4D8CAAAAjAAAAAEAAAAAAAAAIis1AP///wgAAAAAAAAAAAAAAAAAAAAAAAAAAAAAAAAAAAAAZAAAAAEAAABAAAAAAAAAAAAAAAAAAAAAAAAAAAAAAAAAAAAAAAAAAAAAAAAAAAAAAAAAAAAAAAAAAAAAAAAAAAAAAAAAAAAAAAAAAAAAAAAAAAAAAAAAAAAAAAAAAAAAFAAAADwAAAABAAAAAAAAAOfm5gooAAAAAQAAABQAAAAUAAAAFAAAAAEAAAAAAAAAZAAAAGQAAAAAAAAAZAAAAGQAAAAVAAAAYAAAAAAAAAAAAAAADwAAACADAAAAAAAAAAAAAAEAAACgMgAAVgcAAKr4//8BAAAAf39/AAEAAABkAAAAAAAAABQAAABAHwAAAAAAACYAAAAAAAAAwOD//wAAAAAmAAAAZAAAABYAAABMAAAAAAAAAAAAAAAEAAAAAAAAAAEAAADn5uYKAAAAACgAAAAoAAAAZAAAAGQAAAAAAAAAzMzMAAAAAABQAAAAUAAAAGQAAABkAAAAAAAAABcAAAAUAAAAAAAAAAAAAAD/fwAA/38AAAAAAAAJAAAABAAAAJXSfIMeAAAAaAAAAAAAAAAAAAAAAAAAAAAAAAAAAAAAECcAABAnAAAAAAAAAAAAAAAAAAAAAAAAAAAAAAAAAAAAAAAAAAAAABQAAAAAAAAAwMD/AAAAAABkAAAAMgAAAAAAAABkAAAAAAAAAH9/fwAKAAAAIgAAABgAAAAAAAAAAAAAAAAAAAAAAAAAAAAAAAAAAAAkAAAAJAAAAAAAAAAHAAAAAAAAAAAAAAAAAAAAAAAAAAAAAAAAAAAAf39/ACUAAABYAAAAAAAAAAAAAAAAAAAAAAAAAAAAAAAAAAAAAAAAAAAAAAAAAAAAAAAAAAAAAAA/AAAAAAAAAKCGAQAAAAAAAAAAAAAAAAAMAAAAAQAAAAAAAAAAAAAAAAAAAB8AAABUAAAAIis1AP///wEAAAAAAAAAAAAAAAAAAAAAAAAAAAAAAAAAAAAAAAAAAOfm5gN/f38A5+bmA8zMzADAwP8Af39/AAAAAAAAAAAAAAAAAAAAAAAAAAAAIQAAABgAAAAUAAAAsRwAAD0BAABOLgAAOAUAABAAAAAmAAAACAAAAP//////////"/>
               </a:ext>
             </a:extLst>
           </p:cNvSpPr>
@@ -10268,7 +10271,7 @@
           <p:cNvSpPr>
             <a:extLst>
               <a:ext uri="smNativeData">
-                <pr:smNativeData xmlns="smNativeData" xmlns:pr="smNativeData" xmlns:p15="http://schemas.microsoft.com/office/powerpoint/2012/main" xmlns:p14="http://schemas.microsoft.com/office/powerpoint/2010/main" xmlns:mc="http://schemas.openxmlformats.org/markup-compatibility/2006" val="SMDATA_15_q5OGZBMAAAAlAAAAZAAAAE0AAAAAjgAAAEcAAACOAAAARwAAAAAAAAAAAAAAAAAAAAEAAABQAAAAAAAAAAAA4D8AAAAAAADgPwAAAAAAAOA/AAAAAAAA4D8AAAAAAADgPwAAAAAAAOA/AAAAAAAA4D8AAAAAAADgPwAAAAAAAOA/AAAAAAAA4D8CAAAAjAAAAAAAAAAAAAAARHLEDP///wgAAAAAAAAAAAAAAAAAAAAAAAAAAAAAAAAAAAAAZAAAAAEAAABAAAAAAAAAAAAAAAAAAAAAAAAAAAAAAAAAAAAAAAAAAAAAAAAAAAAAAAAAAAAAAAAAAAAAAAAAAAAAAAAAAAAAAAAAAAAAAAAAAAAAAAAAAAAAAAAAAAAAFAAAADwAAAAAAAAAAAAAAAAAAAkUAAAAAQAAABQAAAAUAAAAFAAAAAEAAAAAAAAAZAAAAGQAAAAAAAAAZAAAAGQAAAAVAAAAYAAAAAAAAAAAAAAADwAAACADAAAAAAAAAAAAAAEAAACgMgAAVgcAAKr4//8BAAAAf39/AAEAAABkAAAAAAAAABQAAABAHwAAAAAAACYAAAAAAAAAwOD//wAAAAAmAAAAZAAAABYAAABMAAAAAAAAAAAAAAAEAAAAAAAAAAEAAADn5uYKAAAAACgAAAAoAAAAZAAAAGQAAAAAAAAAzMzMAAAAAABQAAAAUAAAAGQAAABkAAAAAAAAABcAAAAUAAAAAAAAAAAAAAD/fwAA/38AAAAAAAAJAAAABAAAAF8AYAAeAAAAaAAAAAAAAAAAAAAAAAAAAAAAAAAAAAAAECcAABAnAAAAAAAAAAAAAAAAAAAAAAAAAAAAAAAAAAAAAAAAAAAAABQAAAAAAAAAwMD/AAAAAABkAAAAMgAAAAAAAABkAAAAAAAAAH9/fwAKAAAAIgAAABgAAAAAAAAAAAAAAAAAAAAAAAAAAAAAAAAAAAAkAAAAJAAAAAAAAAAHAAAAAAAAAAAAAAAAAAAAAAAAAAAAAAAAAAAAf39/ACUAAABYAAAAAAAAAAAAAAAAAAAAAAAAAAAAAAAAAAAAAAAAAAAAAAAAAAAAAAAAAAAAAAA/AAAAAAAAAKCGAQAAAAAAAAAAAAAAAAAMAAAAAQAAAAAAAAAAAAAAAAAAAB8AAABUAAAARHLEBf///wEAAAAAAAAAAAAAAAAAAAAAAAAAAAAAAAAAAAAAAAAAAAAAAAJ/f38A5+bmA8zMzADAwP8Af39/AAAAAAAAAAAAAAAAAAAAAAAAAAAAIQAAABgAAAAUAAAArgUAAA8HAAA/IgAAjCgAABAgAAAmAAAACAAAAP//////////"/>
+                <pr:smNativeData xmlns:mc="http://schemas.openxmlformats.org/markup-compatibility/2006" xmlns:p14="http://schemas.microsoft.com/office/powerpoint/2010/main" xmlns:p15="http://schemas.microsoft.com/office/powerpoint/2012/main" xmlns:pr="smNativeData" xmlns="smNativeData" val="SMDATA_15_q5OGZBMAAAAlAAAAZAAAAE0AAAAAjgAAAEcAAACOAAAARwAAAAAAAAAAAAAAAAAAAAEAAABQAAAAAAAAAAAA4D8AAAAAAADgPwAAAAAAAOA/AAAAAAAA4D8AAAAAAADgPwAAAAAAAOA/AAAAAAAA4D8AAAAAAADgPwAAAAAAAOA/AAAAAAAA4D8CAAAAjAAAAAAAAAAAAAAARHLEDP///wgAAAAAAAAAAAAAAAAAAAAAAAAAAAAAAAAAAAAAZAAAAAEAAABAAAAAAAAAAAAAAAAAAAAAAAAAAAAAAAAAAAAAAAAAAAAAAAAAAAAAAAAAAAAAAAAAAAAAAAAAAAAAAAAAAAAAAAAAAAAAAAAAAAAAAAAAAAAAAAAAAAAAFAAAADwAAAAAAAAAAAAAAAAAAAkUAAAAAQAAABQAAAAUAAAAFAAAAAEAAAAAAAAAZAAAAGQAAAAAAAAAZAAAAGQAAAAVAAAAYAAAAAAAAAAAAAAADwAAACADAAAAAAAAAAAAAAEAAACgMgAAVgcAAKr4//8BAAAAf39/AAEAAABkAAAAAAAAABQAAABAHwAAAAAAACYAAAAAAAAAwOD//wAAAAAmAAAAZAAAABYAAABMAAAAAAAAAAAAAAAEAAAAAAAAAAEAAADn5uYKAAAAACgAAAAoAAAAZAAAAGQAAAAAAAAAzMzMAAAAAABQAAAAUAAAAGQAAABkAAAAAAAAABcAAAAUAAAAAAAAAAAAAAD/fwAA/38AAAAAAAAJAAAABAAAAF8AYAAeAAAAaAAAAAAAAAAAAAAAAAAAAAAAAAAAAAAAECcAABAnAAAAAAAAAAAAAAAAAAAAAAAAAAAAAAAAAAAAAAAAAAAAABQAAAAAAAAAwMD/AAAAAABkAAAAMgAAAAAAAABkAAAAAAAAAH9/fwAKAAAAIgAAABgAAAAAAAAAAAAAAAAAAAAAAAAAAAAAAAAAAAAkAAAAJAAAAAAAAAAHAAAAAAAAAAAAAAAAAAAAAAAAAAAAAAAAAAAAf39/ACUAAABYAAAAAAAAAAAAAAAAAAAAAAAAAAAAAAAAAAAAAAAAAAAAAAAAAAAAAAAAAAAAAAA/AAAAAAAAAKCGAQAAAAAAAAAAAAAAAAAMAAAAAQAAAAAAAAAAAAAAAAAAAB8AAABUAAAARHLEBf///wEAAAAAAAAAAAAAAAAAAAAAAAAAAAAAAAAAAAAAAAAAAAAAAAJ/f38A5+bmA8zMzADAwP8Af39/AAAAAAAAAAAAAAAAAAAAAAAAAAAAIQAAABgAAAAUAAAArgUAAA8HAAA/IgAAjCgAABAgAAAmAAAACAAAAP//////////"/>
               </a:ext>
             </a:extLst>
           </p:cNvSpPr>
@@ -10323,7 +10326,7 @@
           <p:cNvSpPr>
             <a:extLst>
               <a:ext uri="smNativeData">
-                <pr:smNativeData xmlns="smNativeData" xmlns:pr="smNativeData" xmlns:p15="http://schemas.microsoft.com/office/powerpoint/2012/main" xmlns:p14="http://schemas.microsoft.com/office/powerpoint/2010/main" xmlns:mc="http://schemas.openxmlformats.org/markup-compatibility/2006" val="SMDATA_15_q5OGZBMAAAAlAAAAZQAAAA0AAAAAjgAAAEcAAACOAAAARwAAAAAAAAABAAAAAAAAAAEAAABQAAAAhbacS3FV1T8AAAAAAADwvwAAAAAAAOA/AAAAAAAA4D8AAAAAAADgPwAAAAAAAOA/AAAAAAAA4D8AAAAAAADgPwAAAAAAAOA/AAAAAAAA4D8CAAAAjAAAAAEAAAAAAAAARFRqC////wgAAAAAAAAAAAAAAAAAAAAAAAAAAAAAAAAAAAAAZAAAAAEAAABAAAAAAAAAAAAAAAAAAAAAAAAAAAAAAAAAAAAAAAAAAAAAAAAAAAAAAAAAAAAAAAAAAAAAAAAAAAAAAAAAAAAAAAAAAAAAAAAAAAAAAAAAAAAAAAAAAAAAFAAAADwAAAABAAAAAAAAAP///wgoAAAAAQAAABQAAAAUAAAAFAAAAAEAAAAAAAAAZAAAAGQAAAAAAAAAZAAAAGQAAAAVAAAAYAAAAAAAAAAAAAAADwAAACADAAAAAAAAAAAAAAEAAACgMgAAVgcAAKr4//8BAAAAf39/AAEAAABkAAAAAAAAABQAAABAHwAAAAAAACYAAAAAAAAAwOD//wAAAAAmAAAAZAAAABYAAABMAAAAAAAAAAAAAAAEAAAAAAAAAAEAAADn5uYKAAAAACgAAAAoAAAAZAAAAGQAAAAAAAAAzMzMAAAAAABQAAAAUAAAAGQAAABkAAAAAAAAABcAAAAUAAAAAAAAAAAAAAD/fwAA/38AAAAAAAAJAAAABAAAAIvJmlweAAAAaAAAAAAAAAAAAAAAAAAAAAAAAAAAAAAAECcAABAnAAAAAAAAAAAAAAAAAAAAAAAAAAAAAAAAAAAAAAAAAAAAABQAAAAAAAAAwMD/AAAAAABkAAAAMgAAAAAAAABkAAAAAAAAAH9/fwAKAAAAIgAAABgAAAAAAAAAAAAAAAAAAAAAAAAAAAAAAAAAAAAkAAAAJAAAAAAAAAAHAAAAAAAAAAAAAAAAAAAAAAAAAAAAAAAAAAAAf39/ACUAAABYAAAAAAAAAAAAAAAAAAAAAAAAAAAAAAAAAAAAAAAAAAAAAAAAAAAAAAAAAAAAAAA/AAAAAAAAAKCGAQAAAAAAAAAAAAAAAAAMAAAAAQAAAAAAAAAAAAAAAAAAAB8AAABUAAAARFRqBP///wEAAAAAAAAAAAAAAAAAAAAAAAAAAAAAAAAAAAAAAAAAAP///wF/f38A5+bmA8zMzADAwP8Af39/AAAAAAAAAAAAAAAAAAAAAAAAAAAAIQAAABgAAAAUAAAACzIAAMUNAACmOwAA7w8AABAAAAAmAAAACAAAAP//////////"/>
+                <pr:smNativeData xmlns:mc="http://schemas.openxmlformats.org/markup-compatibility/2006" xmlns:p14="http://schemas.microsoft.com/office/powerpoint/2010/main" xmlns:p15="http://schemas.microsoft.com/office/powerpoint/2012/main" xmlns:pr="smNativeData" xmlns="smNativeData" val="SMDATA_15_q5OGZBMAAAAlAAAAZQAAAA0AAAAAjgAAAEcAAACOAAAARwAAAAAAAAABAAAAAAAAAAEAAABQAAAAhbacS3FV1T8AAAAAAADwvwAAAAAAAOA/AAAAAAAA4D8AAAAAAADgPwAAAAAAAOA/AAAAAAAA4D8AAAAAAADgPwAAAAAAAOA/AAAAAAAA4D8CAAAAjAAAAAEAAAAAAAAARFRqC////wgAAAAAAAAAAAAAAAAAAAAAAAAAAAAAAAAAAAAAZAAAAAEAAABAAAAAAAAAAAAAAAAAAAAAAAAAAAAAAAAAAAAAAAAAAAAAAAAAAAAAAAAAAAAAAAAAAAAAAAAAAAAAAAAAAAAAAAAAAAAAAAAAAAAAAAAAAAAAAAAAAAAAFAAAADwAAAABAAAAAAAAAP///wgoAAAAAQAAABQAAAAUAAAAFAAAAAEAAAAAAAAAZAAAAGQAAAAAAAAAZAAAAGQAAAAVAAAAYAAAAAAAAAAAAAAADwAAACADAAAAAAAAAAAAAAEAAACgMgAAVgcAAKr4//8BAAAAf39/AAEAAABkAAAAAAAAABQAAABAHwAAAAAAACYAAAAAAAAAwOD//wAAAAAmAAAAZAAAABYAAABMAAAAAAAAAAAAAAAEAAAAAAAAAAEAAADn5uYKAAAAACgAAAAoAAAAZAAAAGQAAAAAAAAAzMzMAAAAAABQAAAAUAAAAGQAAABkAAAAAAAAABcAAAAUAAAAAAAAAAAAAAD/fwAA/38AAAAAAAAJAAAABAAAAIvJmlweAAAAaAAAAAAAAAAAAAAAAAAAAAAAAAAAAAAAECcAABAnAAAAAAAAAAAAAAAAAAAAAAAAAAAAAAAAAAAAAAAAAAAAABQAAAAAAAAAwMD/AAAAAABkAAAAMgAAAAAAAABkAAAAAAAAAH9/fwAKAAAAIgAAABgAAAAAAAAAAAAAAAAAAAAAAAAAAAAAAAAAAAAkAAAAJAAAAAAAAAAHAAAAAAAAAAAAAAAAAAAAAAAAAAAAAAAAAAAAf39/ACUAAABYAAAAAAAAAAAAAAAAAAAAAAAAAAAAAAAAAAAAAAAAAAAAAAAAAAAAAAAAAAAAAAA/AAAAAAAAAKCGAQAAAAAAAAAAAAAAAAAMAAAAAQAAAAAAAAAAAAAAAAAAAB8AAABUAAAARFRqBP///wEAAAAAAAAAAAAAAAAAAAAAAAAAAAAAAAAAAAAAAAAAAP///wF/f38A5+bmA8zMzADAwP8Af39/AAAAAAAAAAAAAAAAAAAAAAAAAAAAIQAAABgAAAAUAAAACzIAAMUNAACmOwAA7w8AABAAAAAmAAAACAAAAP//////////"/>
               </a:ext>
             </a:extLst>
           </p:cNvSpPr>
@@ -10386,7 +10389,7 @@
           <p:cNvSpPr>
             <a:extLst>
               <a:ext uri="smNativeData">
-                <pr:smNativeData xmlns="smNativeData" xmlns:pr="smNativeData" xmlns:p15="http://schemas.microsoft.com/office/powerpoint/2012/main" xmlns:p14="http://schemas.microsoft.com/office/powerpoint/2010/main" xmlns:mc="http://schemas.openxmlformats.org/markup-compatibility/2006" val="SMDATA_15_q5OGZBMAAAAlAAAAZQAAAA0AAAAAjgAAAEcAAACOAAAARwAAAAAAAAABAAAAAAAAAAEAAABQAAAAhbacS3FV1T8AAAAAAADwvwAAAAAAAOA/AAAAAAAA4D8AAAAAAADgPwAAAAAAAOA/AAAAAAAA4D8AAAAAAADgPwAAAAAAAOA/AAAAAAAA4D8CAAAAjAAAAAEAAAAAAAAARFRqC////wgAAAAAAAAAAAAAAAAAAAAAAAAAAAAAAAAAAAAAZAAAAAEAAABAAAAAAAAAAAAAAAAAAAAAAAAAAAAAAAAAAAAAAAAAAAAAAAAAAAAAAAAAAAAAAAAAAAAAAAAAAAAAAAAAAAAAAAAAAAAAAAAAAAAAAAAAAAAAAAAAAAAAFAAAADwAAAABAAAAAAAAAP///wgoAAAAAQAAABQAAAAUAAAAFAAAAAEAAAAAAAAAZAAAAGQAAAAAAAAAZAAAAGQAAAAVAAAAYAAAAAAAAAAAAAAADwAAACADAAAAAAAAAAAAAAEAAACgMgAAVgcAAKr4//8BAAAAf39/AAEAAABkAAAAAAAAABQAAABAHwAAAAAAACYAAAAAAAAAwOD//wAAAAAmAAAAZAAAABYAAABMAAAAAAAAAAAAAAAEAAAAAAAAAAEAAADn5uYKAAAAACgAAAAoAAAAZAAAAGQAAAAAAAAAzMzMAAAAAABQAAAAUAAAAGQAAABkAAAAAAAAABcAAAAUAAAAAAAAAAAAAAD/fwAA/38AAAAAAAAJAAAABAAAAMZ5xlseAAAAaAAAAAAAAAAAAAAAAAAAAAAAAAAAAAAAECcAABAnAAAAAAAAAAAAAAAAAAAAAAAAAAAAAAAAAAAAAAAAAAAAABQAAAAAAAAAwMD/AAAAAABkAAAAMgAAAAAAAABkAAAAAAAAAH9/fwAKAAAAIgAAABgAAAAAAAAAAAAAAAAAAAAAAAAAAAAAAAAAAAAkAAAAJAAAAAAAAAAHAAAAAAAAAAAAAAAAAAAAAAAAAAAAAAAAAAAAf39/ACUAAABYAAAAAAAAAAAAAAAAAAAAAAAAAAAAAAAAAAAAAAAAAAAAAAAAAAAAAAAAAAAAAAA/AAAAAAAAAKCGAQAAAAAAAAAAAAAAAAAMAAAAAQAAAAAAAAAAAAAAAAAAAB8AAABUAAAARFRqBP///wEAAAAAAAAAAAAAAAAAAAAAAAAAAAAAAAAAAAAAAAAAAP///wF/f38A5+bmA8zMzADAwP8Af39/AAAAAAAAAAAAAAAAAAAAAAAAAAAAIQAAABgAAAAUAAAAQD0AAEgSAADaRgAAchQAABAAAAAmAAAACAAAAP//////////"/>
+                <pr:smNativeData xmlns:mc="http://schemas.openxmlformats.org/markup-compatibility/2006" xmlns:p14="http://schemas.microsoft.com/office/powerpoint/2010/main" xmlns:p15="http://schemas.microsoft.com/office/powerpoint/2012/main" xmlns:pr="smNativeData" xmlns="smNativeData" val="SMDATA_15_q5OGZBMAAAAlAAAAZQAAAA0AAAAAjgAAAEcAAACOAAAARwAAAAAAAAABAAAAAAAAAAEAAABQAAAAhbacS3FV1T8AAAAAAADwvwAAAAAAAOA/AAAAAAAA4D8AAAAAAADgPwAAAAAAAOA/AAAAAAAA4D8AAAAAAADgPwAAAAAAAOA/AAAAAAAA4D8CAAAAjAAAAAEAAAAAAAAARFRqC////wgAAAAAAAAAAAAAAAAAAAAAAAAAAAAAAAAAAAAAZAAAAAEAAABAAAAAAAAAAAAAAAAAAAAAAAAAAAAAAAAAAAAAAAAAAAAAAAAAAAAAAAAAAAAAAAAAAAAAAAAAAAAAAAAAAAAAAAAAAAAAAAAAAAAAAAAAAAAAAAAAAAAAFAAAADwAAAABAAAAAAAAAP///wgoAAAAAQAAABQAAAAUAAAAFAAAAAEAAAAAAAAAZAAAAGQAAAAAAAAAZAAAAGQAAAAVAAAAYAAAAAAAAAAAAAAADwAAACADAAAAAAAAAAAAAAEAAACgMgAAVgcAAKr4//8BAAAAf39/AAEAAABkAAAAAAAAABQAAABAHwAAAAAAACYAAAAAAAAAwOD//wAAAAAmAAAAZAAAABYAAABMAAAAAAAAAAAAAAAEAAAAAAAAAAEAAADn5uYKAAAAACgAAAAoAAAAZAAAAGQAAAAAAAAAzMzMAAAAAABQAAAAUAAAAGQAAABkAAAAAAAAABcAAAAUAAAAAAAAAAAAAAD/fwAA/38AAAAAAAAJAAAABAAAAMZ5xlseAAAAaAAAAAAAAAAAAAAAAAAAAAAAAAAAAAAAECcAABAnAAAAAAAAAAAAAAAAAAAAAAAAAAAAAAAAAAAAAAAAAAAAABQAAAAAAAAAwMD/AAAAAABkAAAAMgAAAAAAAABkAAAAAAAAAH9/fwAKAAAAIgAAABgAAAAAAAAAAAAAAAAAAAAAAAAAAAAAAAAAAAAkAAAAJAAAAAAAAAAHAAAAAAAAAAAAAAAAAAAAAAAAAAAAAAAAAAAAf39/ACUAAABYAAAAAAAAAAAAAAAAAAAAAAAAAAAAAAAAAAAAAAAAAAAAAAAAAAAAAAAAAAAAAAA/AAAAAAAAAKCGAQAAAAAAAAAAAAAAAAAMAAAAAQAAAAAAAAAAAAAAAAAAAB8AAABUAAAARFRqBP///wEAAAAAAAAAAAAAAAAAAAAAAAAAAAAAAAAAAAAAAAAAAP///wF/f38A5+bmA8zMzADAwP8Af39/AAAAAAAAAAAAAAAAAAAAAAAAAAAAIQAAABgAAAAUAAAAQD0AAEgSAADaRgAAchQAABAAAAAmAAAACAAAAP//////////"/>
               </a:ext>
             </a:extLst>
           </p:cNvSpPr>
@@ -10449,7 +10452,7 @@
           <p:cNvSpPr>
             <a:extLst>
               <a:ext uri="smNativeData">
-                <pr:smNativeData xmlns="smNativeData" xmlns:pr="smNativeData" xmlns:p15="http://schemas.microsoft.com/office/powerpoint/2012/main" xmlns:p14="http://schemas.microsoft.com/office/powerpoint/2010/main" xmlns:mc="http://schemas.openxmlformats.org/markup-compatibility/2006" val="SMDATA_15_q5OGZBMAAAAlAAAAZQAAAA0AAAAAjgAAAEcAAACOAAAARwAAAAAAAAABAAAAAAAAAAEAAABQAAAAhbacS3FV1T8AAAAAAADwvwAAAAAAAOA/AAAAAAAA4D8AAAAAAADgPwAAAAAAAOA/AAAAAAAA4D8AAAAAAADgPwAAAAAAAOA/AAAAAAAA4D8CAAAAjAAAAAEAAAAAAAAARFRqC////wgAAAAAAAAAAAAAAAAAAAAAAAAAAAAAAAAAAAAAZAAAAAEAAABAAAAAAAAAAAAAAAAAAAAAAAAAAAAAAAAAAAAAAAAAAAAAAAAAAAAAAAAAAAAAAAAAAAAAAAAAAAAAAAAAAAAAAAAAAAAAAAAAAAAAAAAAAAAAAAAAAAAAFAAAADwAAAABAAAAAAAAAP///wgoAAAAAQAAABQAAAAUAAAAFAAAAAEAAAAAAAAAZAAAAGQAAAAAAAAAZAAAAGQAAAAVAAAAYAAAAAAAAAAAAAAADwAAACADAAAAAAAAAAAAAAEAAACgMgAAVgcAAKr4//8BAAAAf39/AAEAAABkAAAAAAAAABQAAABAHwAAAAAAACYAAAAAAAAAwOD//wAAAAAmAAAAZAAAABYAAABMAAAAAAAAAAAAAAAEAAAAAAAAAAEAAADn5uYKAAAAACgAAAAoAAAAZAAAAGQAAAAAAAAAzMzMAAAAAABQAAAAUAAAAGQAAABkAAAAAAAAABcAAAAUAAAAAAAAAAAAAAD/fwAA/38AAAAAAAAJAAAABAAAAMEyjXYeAAAAaAAAAAAAAAAAAAAAAAAAAAAAAAAAAAAAECcAABAnAAAAAAAAAAAAAAAAAAAAAAAAAAAAAAAAAAAAAAAAAAAAABQAAAAAAAAAwMD/AAAAAABkAAAAMgAAAAAAAABkAAAAAAAAAH9/fwAKAAAAIgAAABgAAAAAAAAAAAAAAAAAAAAAAAAAAAAAAAAAAAAkAAAAJAAAAAAAAAAHAAAAAAAAAAAAAAAAAAAAAAAAAAAAAAAAAAAAf39/ACUAAABYAAAAAAAAAAAAAAAAAAAAAAAAAAAAAAAAAAAAAAAAAAAAAAAAAAAAAAAAAAAAAAA/AAAAAAAAAKCGAQAAAAAAAAAAAAAAAAAMAAAAAQAAAAAAAAAAAAAAAAAAAB8AAABUAAAARFRqBP///wEAAAAAAAAAAAAAAAAAAAAAAAAAAAAAAAAAAAAAAAAAAP///wF/f38A5+bmA8zMzADAwP8Af39/AAAAAAAAAAAAAAAAAAAAAAAAAAAAIQAAABgAAAAUAAAACzIAAEgSAACmOwAAchQAABAAAAAmAAAACAAAAP//////////"/>
+                <pr:smNativeData xmlns:mc="http://schemas.openxmlformats.org/markup-compatibility/2006" xmlns:p14="http://schemas.microsoft.com/office/powerpoint/2010/main" xmlns:p15="http://schemas.microsoft.com/office/powerpoint/2012/main" xmlns:pr="smNativeData" xmlns="smNativeData" val="SMDATA_15_q5OGZBMAAAAlAAAAZQAAAA0AAAAAjgAAAEcAAACOAAAARwAAAAAAAAABAAAAAAAAAAEAAABQAAAAhbacS3FV1T8AAAAAAADwvwAAAAAAAOA/AAAAAAAA4D8AAAAAAADgPwAAAAAAAOA/AAAAAAAA4D8AAAAAAADgPwAAAAAAAOA/AAAAAAAA4D8CAAAAjAAAAAEAAAAAAAAARFRqC////wgAAAAAAAAAAAAAAAAAAAAAAAAAAAAAAAAAAAAAZAAAAAEAAABAAAAAAAAAAAAAAAAAAAAAAAAAAAAAAAAAAAAAAAAAAAAAAAAAAAAAAAAAAAAAAAAAAAAAAAAAAAAAAAAAAAAAAAAAAAAAAAAAAAAAAAAAAAAAAAAAAAAAFAAAADwAAAABAAAAAAAAAP///wgoAAAAAQAAABQAAAAUAAAAFAAAAAEAAAAAAAAAZAAAAGQAAAAAAAAAZAAAAGQAAAAVAAAAYAAAAAAAAAAAAAAADwAAACADAAAAAAAAAAAAAAEAAACgMgAAVgcAAKr4//8BAAAAf39/AAEAAABkAAAAAAAAABQAAABAHwAAAAAAACYAAAAAAAAAwOD//wAAAAAmAAAAZAAAABYAAABMAAAAAAAAAAAAAAAEAAAAAAAAAAEAAADn5uYKAAAAACgAAAAoAAAAZAAAAGQAAAAAAAAAzMzMAAAAAABQAAAAUAAAAGQAAABkAAAAAAAAABcAAAAUAAAAAAAAAAAAAAD/fwAA/38AAAAAAAAJAAAABAAAAMEyjXYeAAAAaAAAAAAAAAAAAAAAAAAAAAAAAAAAAAAAECcAABAnAAAAAAAAAAAAAAAAAAAAAAAAAAAAAAAAAAAAAAAAAAAAABQAAAAAAAAAwMD/AAAAAABkAAAAMgAAAAAAAABkAAAAAAAAAH9/fwAKAAAAIgAAABgAAAAAAAAAAAAAAAAAAAAAAAAAAAAAAAAAAAAkAAAAJAAAAAAAAAAHAAAAAAAAAAAAAAAAAAAAAAAAAAAAAAAAAAAAf39/ACUAAABYAAAAAAAAAAAAAAAAAAAAAAAAAAAAAAAAAAAAAAAAAAAAAAAAAAAAAAAAAAAAAAA/AAAAAAAAAKCGAQAAAAAAAAAAAAAAAAAMAAAAAQAAAAAAAAAAAAAAAAAAAB8AAABUAAAARFRqBP///wEAAAAAAAAAAAAAAAAAAAAAAAAAAAAAAAAAAAAAAAAAAP///wF/f38A5+bmA8zMzADAwP8Af39/AAAAAAAAAAAAAAAAAAAAAAAAAAAAIQAAABgAAAAUAAAACzIAAEgSAACmOwAAchQAABAAAAAmAAAACAAAAP//////////"/>
               </a:ext>
             </a:extLst>
           </p:cNvSpPr>
@@ -10512,7 +10515,7 @@
           <p:cNvSpPr>
             <a:extLst>
               <a:ext uri="smNativeData">
-                <pr:smNativeData xmlns="smNativeData" xmlns:pr="smNativeData" xmlns:p15="http://schemas.microsoft.com/office/powerpoint/2012/main" xmlns:p14="http://schemas.microsoft.com/office/powerpoint/2010/main" xmlns:mc="http://schemas.openxmlformats.org/markup-compatibility/2006" val="SMDATA_15_q5OGZBMAAAAlAAAAZQAAAA0AAAAAjgAAAEcAAACOAAAARwAAAAAAAAABAAAAAAAAAAEAAABQAAAAhbacS3FV1T8AAAAAAADwvwAAAAAAAOA/AAAAAAAA4D8AAAAAAADgPwAAAAAAAOA/AAAAAAAA4D8AAAAAAADgPwAAAAAAAOA/AAAAAAAA4D8CAAAAjAAAAAEAAAAAAAAARFRqC////wgAAAAAAAAAAAAAAAAAAAAAAAAAAAAAAAAAAAAAZAAAAAEAAABAAAAAAAAAAAAAAAAAAAAAAAAAAAAAAAAAAAAAAAAAAAAAAAAAAAAAAAAAAAAAAAAAAAAAAAAAAAAAAAAAAAAAAAAAAAAAAAAAAAAAAAAAAAAAAAAAAAAAFAAAADwAAAABAAAAAAAAAP///wgoAAAAAQAAABQAAAAUAAAAFAAAAAEAAAAAAAAAZAAAAGQAAAAAAAAAZAAAAGQAAAAVAAAAYAAAAAAAAAAAAAAADwAAACADAAAAAAAAAAAAAAEAAACgMgAAVgcAAKr4//8BAAAAf39/AAEAAABkAAAAAAAAABQAAABAHwAAAAAAACYAAAAAAAAAwOD//wAAAAAmAAAAZAAAABYAAABMAAAAAAAAAAAAAAAEAAAAAAAAAAEAAADn5uYKAAAAACgAAAAoAAAAZAAAAGQAAAAAAAAAzMzMAAAAAABQAAAAUAAAAGQAAABkAAAAAAAAABcAAAAUAAAAAAAAAAAAAAD/fwAA/38AAAAAAAAJAAAABAAAAOqm/wAeAAAAaAAAAAAAAAAAAAAAAAAAAAAAAAAAAAAAECcAABAnAAAAAAAAAAAAAAAAAAAAAAAAAAAAAAAAAAAAAAAAAAAAABQAAAAAAAAAwMD/AAAAAABkAAAAMgAAAAAAAABkAAAAAAAAAH9/fwAKAAAAIgAAABgAAAAAAAAAAAAAAAAAAAAAAAAAAAAAAAAAAAAkAAAAJAAAAAAAAAAHAAAAAAAAAAAAAAAAAAAAAAAAAAAAAAAAAAAAf39/ACUAAABYAAAAAAAAAAAAAAAAAAAAAAAAAAAAAAAAAAAAAAAAAAAAAAAAAAAAAAAAAAAAAAA/AAAAAAAAAKCGAQAAAAAAAAAAAAAAAAAMAAAAAQAAAAAAAAAAAAAAAAAAAB8AAABUAAAARFRqBP///wEAAAAAAAAAAAAAAAAAAAAAAAAAAAAAAAAAAAAAAAAAAP///wF/f38A5+bmA8zMzADAwP8Af39/AAAAAAAAAAAAAAAAAAAAAAAAAAAAIQAAABgAAAAUAAAA9SYAAEgSAACQMAAAchQAABAAAAAmAAAACAAAAP//////////"/>
+                <pr:smNativeData xmlns:mc="http://schemas.openxmlformats.org/markup-compatibility/2006" xmlns:p14="http://schemas.microsoft.com/office/powerpoint/2010/main" xmlns:p15="http://schemas.microsoft.com/office/powerpoint/2012/main" xmlns:pr="smNativeData" xmlns="smNativeData" val="SMDATA_15_q5OGZBMAAAAlAAAAZQAAAA0AAAAAjgAAAEcAAACOAAAARwAAAAAAAAABAAAAAAAAAAEAAABQAAAAhbacS3FV1T8AAAAAAADwvwAAAAAAAOA/AAAAAAAA4D8AAAAAAADgPwAAAAAAAOA/AAAAAAAA4D8AAAAAAADgPwAAAAAAAOA/AAAAAAAA4D8CAAAAjAAAAAEAAAAAAAAARFRqC////wgAAAAAAAAAAAAAAAAAAAAAAAAAAAAAAAAAAAAAZAAAAAEAAABAAAAAAAAAAAAAAAAAAAAAAAAAAAAAAAAAAAAAAAAAAAAAAAAAAAAAAAAAAAAAAAAAAAAAAAAAAAAAAAAAAAAAAAAAAAAAAAAAAAAAAAAAAAAAAAAAAAAAFAAAADwAAAABAAAAAAAAAP///wgoAAAAAQAAABQAAAAUAAAAFAAAAAEAAAAAAAAAZAAAAGQAAAAAAAAAZAAAAGQAAAAVAAAAYAAAAAAAAAAAAAAADwAAACADAAAAAAAAAAAAAAEAAACgMgAAVgcAAKr4//8BAAAAf39/AAEAAABkAAAAAAAAABQAAABAHwAAAAAAACYAAAAAAAAAwOD//wAAAAAmAAAAZAAAABYAAABMAAAAAAAAAAAAAAAEAAAAAAAAAAEAAADn5uYKAAAAACgAAAAoAAAAZAAAAGQAAAAAAAAAzMzMAAAAAABQAAAAUAAAAGQAAABkAAAAAAAAABcAAAAUAAAAAAAAAAAAAAD/fwAA/38AAAAAAAAJAAAABAAAAOqm/wAeAAAAaAAAAAAAAAAAAAAAAAAAAAAAAAAAAAAAECcAABAnAAAAAAAAAAAAAAAAAAAAAAAAAAAAAAAAAAAAAAAAAAAAABQAAAAAAAAAwMD/AAAAAABkAAAAMgAAAAAAAABkAAAAAAAAAH9/fwAKAAAAIgAAABgAAAAAAAAAAAAAAAAAAAAAAAAAAAAAAAAAAAAkAAAAJAAAAAAAAAAHAAAAAAAAAAAAAAAAAAAAAAAAAAAAAAAAAAAAf39/ACUAAABYAAAAAAAAAAAAAAAAAAAAAAAAAAAAAAAAAAAAAAAAAAAAAAAAAAAAAAAAAAAAAAA/AAAAAAAAAKCGAQAAAAAAAAAAAAAAAAAMAAAAAQAAAAAAAAAAAAAAAAAAAB8AAABUAAAARFRqBP///wEAAAAAAAAAAAAAAAAAAAAAAAAAAAAAAAAAAAAAAAAAAP///wF/f38A5+bmA8zMzADAwP8Af39/AAAAAAAAAAAAAAAAAAAAAAAAAAAAIQAAABgAAAAUAAAA9SYAAEgSAACQMAAAchQAABAAAAAmAAAACAAAAP//////////"/>
               </a:ext>
             </a:extLst>
           </p:cNvSpPr>
@@ -10575,7 +10578,7 @@
           <p:cNvSpPr>
             <a:extLst>
               <a:ext uri="smNativeData">
-                <pr:smNativeData xmlns="smNativeData" xmlns:pr="smNativeData" xmlns:p15="http://schemas.microsoft.com/office/powerpoint/2012/main" xmlns:p14="http://schemas.microsoft.com/office/powerpoint/2010/main" xmlns:mc="http://schemas.openxmlformats.org/markup-compatibility/2006" val="SMDATA_15_q5OGZBMAAAAlAAAACwAAAA0AAAAAcDAAAO8PAAAqMgAAbhIAAAAAAAAAAAAAAgAAAAEAAABQAAAAAAAAAAAA4D8AAAAAAADgPwAAAAAAAOA/AAAAAAAA4D8AAAAAAADgPwAAAAAAAOA/AAAAAAAA4D8AAAAAAADgPwAAAAAAAOA/AAAAAAAA4D8CAAAAjAAAAAAAAAAAAAAARHLEDP///wgAAAAAAAAAAAAAAAAAAAAAAAAAAAAAAAAAAAAAZAAAAAEAAABAAAAAAAAAAAAAAAAAAAAAAAAAAAAAAAAAAAAAAAAAAAAAAAAAAAAAAAAAAAAAAAAAAAAAAAAAAAAAAAAAAAAAAAAAAAAAAAAAAAAAAAAAAAAAAAAAAAAAFAAAADwAAAABAAAAAAAAAP///wgPAAAAAQAAABQAAAAUAAAAFAAAAAEAAAAAAAAAZAAAAGQAAAACAAAAZAAAAGQAAAAVAAAAYAAAAAAAAAAAAAAADwAAACADAAAAAAAAAAAAAAEAAACgMgAAVgcAAKr4//8BAAAAf39/AAEAAABkAAAAAAAAABQAAABAHwAAAAAAACYAAAAAAAAAwOD//wAAAAAmAAAAZAAAABYAAABMAAAAAAAAAAAAAAAEAAAAAAAAAAEAAADn5uYKAAAAACgAAAAoAAAAZAAAAGQAAAAAAAAAzMzMAAAAAABQAAAAUAAAAGQAAABkAAAAAAAAABcAAAAUAAAAAAAAAAAAAAD/fwAA/38AAAAAAAAJAAAABAAAAAAAAAAeAAAAaAAAAAAAAAAAAAAAAAAAAAAAAAAAAAAAECcAABAnAAAAAAAAAAAAAAAAAAAAAAAAAAAAAAAAAAAAAAAAAAAAABQAAAAAAAAAwMD/AAAAAABkAAAAMgAAAAAAAABkAAAAAAAAAH9/fwAKAAAAIgAAABgAAAAAAAAAAAAAAAAAAAAAAAAAAAAAAAAAAAAkAAAAJAAAAAAAAAAHAAAAAAAAAAAAAAAAAAAAAAAAAAAAAAAAAAAAf39/ACUAAABYAAAAAAAAAAAAAAAAAAAAAAAAAAAAAAAAAAAAAAAAAAAAAAAAAAAAAAAAAAAAAAA/AAAAAAAAAKCGAQAAAAAAAAAAAAAAAAAMAAAAAQAAAAAAAAAAAAAAAAAAAB8AAABUAAAARHLEBf///wEAAAAAAAAAAAAAAAAAAAAAAAAAAAAAAAAAAAAAAAAAAP///wF/f38A5+bmA8zMzADAwP8Af39/AAAAAAAAAAAAAAAAAAAAAAAAAAAAIQAAABgAAAAUAAAAcDAAAO8PAAAqMgAAbhIAABAAAAAmAAAACAAAAP//////////"/>
+                <pr:smNativeData xmlns:mc="http://schemas.openxmlformats.org/markup-compatibility/2006" xmlns:p14="http://schemas.microsoft.com/office/powerpoint/2010/main" xmlns:p15="http://schemas.microsoft.com/office/powerpoint/2012/main" xmlns:pr="smNativeData" xmlns="smNativeData" val="SMDATA_15_q5OGZBMAAAAlAAAACwAAAA0AAAAAcDAAAO8PAAAqMgAAbhIAAAAAAAAAAAAAAgAAAAEAAABQAAAAAAAAAAAA4D8AAAAAAADgPwAAAAAAAOA/AAAAAAAA4D8AAAAAAADgPwAAAAAAAOA/AAAAAAAA4D8AAAAAAADgPwAAAAAAAOA/AAAAAAAA4D8CAAAAjAAAAAAAAAAAAAAARHLEDP///wgAAAAAAAAAAAAAAAAAAAAAAAAAAAAAAAAAAAAAZAAAAAEAAABAAAAAAAAAAAAAAAAAAAAAAAAAAAAAAAAAAAAAAAAAAAAAAAAAAAAAAAAAAAAAAAAAAAAAAAAAAAAAAAAAAAAAAAAAAAAAAAAAAAAAAAAAAAAAAAAAAAAAFAAAADwAAAABAAAAAAAAAP///wgPAAAAAQAAABQAAAAUAAAAFAAAAAEAAAAAAAAAZAAAAGQAAAACAAAAZAAAAGQAAAAVAAAAYAAAAAAAAAAAAAAADwAAACADAAAAAAAAAAAAAAEAAACgMgAAVgcAAKr4//8BAAAAf39/AAEAAABkAAAAAAAAABQAAABAHwAAAAAAACYAAAAAAAAAwOD//wAAAAAmAAAAZAAAABYAAABMAAAAAAAAAAAAAAAEAAAAAAAAAAEAAADn5uYKAAAAACgAAAAoAAAAZAAAAGQAAAAAAAAAzMzMAAAAAABQAAAAUAAAAGQAAABkAAAAAAAAABcAAAAUAAAAAAAAAAAAAAD/fwAA/38AAAAAAAAJAAAABAAAAAAAAAAeAAAAaAAAAAAAAAAAAAAAAAAAAAAAAAAAAAAAECcAABAnAAAAAAAAAAAAAAAAAAAAAAAAAAAAAAAAAAAAAAAAAAAAABQAAAAAAAAAwMD/AAAAAABkAAAAMgAAAAAAAABkAAAAAAAAAH9/fwAKAAAAIgAAABgAAAAAAAAAAAAAAAAAAAAAAAAAAAAAAAAAAAAkAAAAJAAAAAAAAAAHAAAAAAAAAAAAAAAAAAAAAAAAAAAAAAAAAAAAf39/ACUAAABYAAAAAAAAAAAAAAAAAAAAAAAAAAAAAAAAAAAAAAAAAAAAAAAAAAAAAAAAAAAAAAA/AAAAAAAAAKCGAQAAAAAAAAAAAAAAAAAMAAAAAQAAAAAAAAAAAAAAAAAAAB8AAABUAAAARHLEBf///wEAAAAAAAAAAAAAAAAAAAAAAAAAAAAAAAAAAAAAAAAAAP///wF/f38A5+bmA8zMzADAwP8Af39/AAAAAAAAAAAAAAAAAAAAAAAAAAAAIQAAABgAAAAUAAAAcDAAAO8PAAAqMgAAbhIAABAAAAAmAAAACAAAAP//////////"/>
               </a:ext>
             </a:extLst>
           </p:cNvSpPr>
@@ -10621,7 +10624,7 @@
           <p:cNvSpPr>
             <a:extLst>
               <a:ext uri="smNativeData">
-                <pr:smNativeData xmlns="smNativeData" xmlns:pr="smNativeData" xmlns:p15="http://schemas.microsoft.com/office/powerpoint/2012/main" xmlns:p14="http://schemas.microsoft.com/office/powerpoint/2010/main" xmlns:mc="http://schemas.openxmlformats.org/markup-compatibility/2006" val="SMDATA_15_q5OGZBMAAAAlAAAACwAAAA0AAAAA2TYAAO8PAADZNgAARhIAAAAAAAAAAAAAAgAAAAEAAABQAAAAAAAAAAAA4D8AAAAAAADgPwAAAAAAAOA/AAAAAAAA4D8AAAAAAADgPwAAAAAAAOA/AAAAAAAA4D8AAAAAAADgPwAAAAAAAOA/AAAAAAAA4D8CAAAAjAAAAAAAAAAAAAAARHLEDP///wgAAAAAAAAAAAAAAAAAAAAAAAAAAAAAAAAAAAAAZAAAAAEAAABAAAAAAAAAAAAAAAAAAAAAAAAAAAAAAAAAAAAAAAAAAAAAAAAAAAAAAAAAAAAAAAAAAAAAAAAAAAAAAAAAAAAAAAAAAAAAAAAAAAAAAAAAAAAAAAAAAAAAFAAAADwAAAABAAAAAAAAAP///wgPAAAAAQAAABQAAAAUAAAAFAAAAAEAAAAAAAAAZAAAAGQAAAACAAAAZAAAAGQAAAAVAAAAYAAAAAAAAAAAAAAADwAAACADAAAAAAAAAAAAAAEAAACgMgAAVgcAAKr4//8BAAAAf39/AAEAAABkAAAAAAAAABQAAABAHwAAAAAAACYAAAAAAAAAwOD//wAAAAAmAAAAZAAAABYAAABMAAAAAAAAAAAAAAAEAAAAAAAAAAEAAADn5uYKAAAAACgAAAAoAAAAZAAAAGQAAAAAAAAAzMzMAAAAAABQAAAAUAAAAGQAAABkAAAAAAAAABcAAAAUAAAAAAAAAAAAAAD/fwAA/38AAAAAAAAJAAAABAAAAGltbmkeAAAAaAAAAAAAAAAAAAAAAAAAAAAAAAAAAAAAECcAABAnAAAAAAAAAAAAAAAAAAAAAAAAAAAAAAAAAAAAAAAAAAAAABQAAAAAAAAAwMD/AAAAAABkAAAAMgAAAAAAAABkAAAAAAAAAH9/fwAKAAAAIgAAABgAAAAAAAAAAAAAAAAAAAAAAAAAAAAAAAAAAAAkAAAAJAAAAAAAAAAHAAAAAAAAAAAAAAAAAAAAAAAAAAAAAAAAAAAAf39/ACUAAABYAAAAAAAAAAAAAAAAAAAAAAAAAAAAAAAAAAAAAAAAAAAAAAAAAAAAAAAAAAAAAAA/AAAAAAAAAKCGAQAAAAAAAAAAAAAAAAAMAAAAAQAAAAAAAAAAAAAAAAAAAB8AAABUAAAARHLEBf///wEAAAAAAAAAAAAAAAAAAAAAAAAAAAAAAAAAAAAAAAAAAP///wF/f38A5+bmA8zMzADAwP8Af39/AAAAAAAAAAAAAAAAAAAAAAAAAAAAIQAAABgAAAAUAAAA2TYAAO8PAADZNgAARhIAABAAAAAmAAAACAAAAP//////////"/>
+                <pr:smNativeData xmlns:mc="http://schemas.openxmlformats.org/markup-compatibility/2006" xmlns:p14="http://schemas.microsoft.com/office/powerpoint/2010/main" xmlns:p15="http://schemas.microsoft.com/office/powerpoint/2012/main" xmlns:pr="smNativeData" xmlns="smNativeData" val="SMDATA_15_q5OGZBMAAAAlAAAACwAAAA0AAAAA2TYAAO8PAADZNgAARhIAAAAAAAAAAAAAAgAAAAEAAABQAAAAAAAAAAAA4D8AAAAAAADgPwAAAAAAAOA/AAAAAAAA4D8AAAAAAADgPwAAAAAAAOA/AAAAAAAA4D8AAAAAAADgPwAAAAAAAOA/AAAAAAAA4D8CAAAAjAAAAAAAAAAAAAAARHLEDP///wgAAAAAAAAAAAAAAAAAAAAAAAAAAAAAAAAAAAAAZAAAAAEAAABAAAAAAAAAAAAAAAAAAAAAAAAAAAAAAAAAAAAAAAAAAAAAAAAAAAAAAAAAAAAAAAAAAAAAAAAAAAAAAAAAAAAAAAAAAAAAAAAAAAAAAAAAAAAAAAAAAAAAFAAAADwAAAABAAAAAAAAAP///wgPAAAAAQAAABQAAAAUAAAAFAAAAAEAAAAAAAAAZAAAAGQAAAACAAAAZAAAAGQAAAAVAAAAYAAAAAAAAAAAAAAADwAAACADAAAAAAAAAAAAAAEAAACgMgAAVgcAAKr4//8BAAAAf39/AAEAAABkAAAAAAAAABQAAABAHwAAAAAAACYAAAAAAAAAwOD//wAAAAAmAAAAZAAAABYAAABMAAAAAAAAAAAAAAAEAAAAAAAAAAEAAADn5uYKAAAAACgAAAAoAAAAZAAAAGQAAAAAAAAAzMzMAAAAAABQAAAAUAAAAGQAAABkAAAAAAAAABcAAAAUAAAAAAAAAAAAAAD/fwAA/38AAAAAAAAJAAAABAAAAGltbmkeAAAAaAAAAAAAAAAAAAAAAAAAAAAAAAAAAAAAECcAABAnAAAAAAAAAAAAAAAAAAAAAAAAAAAAAAAAAAAAAAAAAAAAABQAAAAAAAAAwMD/AAAAAABkAAAAMgAAAAAAAABkAAAAAAAAAH9/fwAKAAAAIgAAABgAAAAAAAAAAAAAAAAAAAAAAAAAAAAAAAAAAAAkAAAAJAAAAAAAAAAHAAAAAAAAAAAAAAAAAAAAAAAAAAAAAAAAAAAAf39/ACUAAABYAAAAAAAAAAAAAAAAAAAAAAAAAAAAAAAAAAAAAAAAAAAAAAAAAAAAAAAAAAAAAAA/AAAAAAAAAKCGAQAAAAAAAAAAAAAAAAAMAAAAAQAAAAAAAAAAAAAAAAAAAB8AAABUAAAARHLEBf///wEAAAAAAAAAAAAAAAAAAAAAAAAAAAAAAAAAAAAAAAAAAP///wF/f38A5+bmA8zMzADAwP8Af39/AAAAAAAAAAAAAAAAAAAAAAAAAAAAIQAAABgAAAAUAAAA2TYAAO8PAADZNgAARhIAABAAAAAmAAAACAAAAP//////////"/>
               </a:ext>
             </a:extLst>
           </p:cNvSpPr>
@@ -10667,7 +10670,7 @@
           <p:cNvSpPr>
             <a:extLst>
               <a:ext uri="smNativeData">
-                <pr:smNativeData xmlns="smNativeData" xmlns:pr="smNativeData" xmlns:p15="http://schemas.microsoft.com/office/powerpoint/2012/main" xmlns:p14="http://schemas.microsoft.com/office/powerpoint/2010/main" xmlns:mc="http://schemas.openxmlformats.org/markup-compatibility/2006" val="SMDATA_15_q5OGZBMAAAAlAAAACwAAAA0AAAAAhjsAAO8PAAB4PQAARhIAAAAAAAAAAAAAAgAAAAEAAABQAAAAAAAAAAAA4D8AAAAAAADgPwAAAAAAAOA/AAAAAAAA4D8AAAAAAADgPwAAAAAAAOA/AAAAAAAA4D8AAAAAAADgPwAAAAAAAOA/AAAAAAAA4D8CAAAAjAAAAAAAAAAAAAAARHLEDP///wgAAAAAAAAAAAAAAAAAAAAAAAAAAAAAAAAAAAAAZAAAAAEAAABAAAAAAAAAAAAAAAAAAAAAAAAAAAAAAAAAAAAAAAAAAAAAAAAAAAAAAAAAAAAAAAAAAAAAAAAAAAAAAAAAAAAAAAAAAAAAAAAAAAAAAAAAAAAAAAAAAAAAFAAAADwAAAABAAAAAAAAAP///wgPAAAAAQAAABQAAAAUAAAAFAAAAAEAAAAAAAAAZAAAAGQAAAACAAAAZAAAAGQAAAAVAAAAYAAAAAAAAAAAAAAADwAAACADAAAAAAAAAAAAAAEAAACgMgAAVgcAAKr4//8BAAAAf39/AAEAAABkAAAAAAAAABQAAABAHwAAAAAAACYAAAAAAAAAwOD//wAAAAAmAAAAZAAAABYAAABMAAAAAAAAAAAAAAAEAAAAAAAAAAEAAADn5uYKAAAAACgAAAAoAAAAZAAAAGQAAAAAAAAAzMzMAAAAAABQAAAAUAAAAGQAAABkAAAAAAAAABcAAAAUAAAAAAAAAAAAAAD/fwAA/38AAAAAAAAJAAAABAAAAIBkAckeAAAAaAAAAAAAAAAAAAAAAAAAAAAAAAAAAAAAECcAABAnAAAAAAAAAAAAAAAAAAAAAAAAAAAAAAAAAAAAAAAAAAAAABQAAAAAAAAAwMD/AAAAAABkAAAAMgAAAAAAAABkAAAAAAAAAH9/fwAKAAAAIgAAABgAAAAAAAAAAAAAAAAAAAAAAAAAAAAAAAAAAAAkAAAAJAAAAAAAAAAHAAAAAAAAAAAAAAAAAAAAAAAAAAAAAAAAAAAAf39/ACUAAABYAAAAAAAAAAAAAAAAAAAAAAAAAAAAAAAAAAAAAAAAAAAAAAAAAAAAAAAAAAAAAAA/AAAAAAAAAKCGAQAAAAAAAAAAAAAAAAAMAAAAAQAAAAAAAAAAAAAAAAAAAB8AAABUAAAARHLEBf///wEAAAAAAAAAAAAAAAAAAAAAAAAAAAAAAAAAAAAAAAAAAP///wF/f38A5+bmA8zMzADAwP8Af39/AAAAAAAAAAAAAAAAAAAAAAAAAAAAIQAAABgAAAAUAAAAhjsAAO8PAAB4PQAARhIAABAAAAAmAAAACAAAAP//////////"/>
+                <pr:smNativeData xmlns:mc="http://schemas.openxmlformats.org/markup-compatibility/2006" xmlns:p14="http://schemas.microsoft.com/office/powerpoint/2010/main" xmlns:p15="http://schemas.microsoft.com/office/powerpoint/2012/main" xmlns:pr="smNativeData" xmlns="smNativeData" val="SMDATA_15_q5OGZBMAAAAlAAAACwAAAA0AAAAAhjsAAO8PAAB4PQAARhIAAAAAAAAAAAAAAgAAAAEAAABQAAAAAAAAAAAA4D8AAAAAAADgPwAAAAAAAOA/AAAAAAAA4D8AAAAAAADgPwAAAAAAAOA/AAAAAAAA4D8AAAAAAADgPwAAAAAAAOA/AAAAAAAA4D8CAAAAjAAAAAAAAAAAAAAARHLEDP///wgAAAAAAAAAAAAAAAAAAAAAAAAAAAAAAAAAAAAAZAAAAAEAAABAAAAAAAAAAAAAAAAAAAAAAAAAAAAAAAAAAAAAAAAAAAAAAAAAAAAAAAAAAAAAAAAAAAAAAAAAAAAAAAAAAAAAAAAAAAAAAAAAAAAAAAAAAAAAAAAAAAAAFAAAADwAAAABAAAAAAAAAP///wgPAAAAAQAAABQAAAAUAAAAFAAAAAEAAAAAAAAAZAAAAGQAAAACAAAAZAAAAGQAAAAVAAAAYAAAAAAAAAAAAAAADwAAACADAAAAAAAAAAAAAAEAAACgMgAAVgcAAKr4//8BAAAAf39/AAEAAABkAAAAAAAAABQAAABAHwAAAAAAACYAAAAAAAAAwOD//wAAAAAmAAAAZAAAABYAAABMAAAAAAAAAAAAAAAEAAAAAAAAAAEAAADn5uYKAAAAACgAAAAoAAAAZAAAAGQAAAAAAAAAzMzMAAAAAABQAAAAUAAAAGQAAABkAAAAAAAAABcAAAAUAAAAAAAAAAAAAAD/fwAA/38AAAAAAAAJAAAABAAAAIBkAckeAAAAaAAAAAAAAAAAAAAAAAAAAAAAAAAAAAAAECcAABAnAAAAAAAAAAAAAAAAAAAAAAAAAAAAAAAAAAAAAAAAAAAAABQAAAAAAAAAwMD/AAAAAABkAAAAMgAAAAAAAABkAAAAAAAAAH9/fwAKAAAAIgAAABgAAAAAAAAAAAAAAAAAAAAAAAAAAAAAAAAAAAAkAAAAJAAAAAAAAAAHAAAAAAAAAAAAAAAAAAAAAAAAAAAAAAAAAAAAf39/ACUAAABYAAAAAAAAAAAAAAAAAAAAAAAAAAAAAAAAAAAAAAAAAAAAAAAAAAAAAAAAAAAAAAA/AAAAAAAAAKCGAQAAAAAAAAAAAAAAAAAMAAAAAQAAAAAAAAAAAAAAAAAAAB8AAABUAAAARHLEBf///wEAAAAAAAAAAAAAAAAAAAAAAAAAAAAAAAAAAAAAAAAAAP///wF/f38A5+bmA8zMzADAwP8Af39/AAAAAAAAAAAAAAAAAAAAAAAAAAAAIQAAABgAAAAUAAAAhjsAAO8PAAB4PQAARhIAABAAAAAmAAAACAAAAP//////////"/>
               </a:ext>
             </a:extLst>
           </p:cNvSpPr>
@@ -10713,7 +10716,7 @@
           <p:cNvSpPr>
             <a:extLst>
               <a:ext uri="smNativeData">
-                <pr:smNativeData xmlns="smNativeData" xmlns:pr="smNativeData" xmlns:p15="http://schemas.microsoft.com/office/powerpoint/2012/main" xmlns:p14="http://schemas.microsoft.com/office/powerpoint/2010/main" xmlns:mc="http://schemas.openxmlformats.org/markup-compatibility/2006" val="SMDATA_15_q5OGZBMAAAAlAAAAZQAAAA0AAAAAjgAAAEcAAACOAAAARwAAAAAAAAABAAAAAAAAAAEAAABQAAAAhbacS3FV1T8AAAAAAADwvwAAAAAAAOA/AAAAAAAA4D8AAAAAAADgPwAAAAAAAOA/AAAAAAAA4D8AAAAAAADgPwAAAAAAAOA/AAAAAAAA4D8CAAAAjAAAAAEAAAAAAAAARFRqC////wgAAAAAAAAAAAAAAAAAAAAAAAAAAAAAAAAAAAAAZAAAAAEAAABAAAAAAAAAAAAAAAAAAAAAAAAAAAAAAAAAAAAAAAAAAAAAAAAAAAAAAAAAAAAAAAAAAAAAAAAAAAAAAAAAAAAAAAAAAAAAAAAAAAAAAAAAAAAAAAAAAAAAFAAAADwAAAABAAAAAAAAAP///wgoAAAAAQAAABQAAAAUAAAAFAAAAAEAAAAAAAAAZAAAAGQAAAAAAAAAZAAAAGQAAAAVAAAAYAAAAAAAAAAAAAAADwAAACADAAAAAAAAAAAAAAEAAACgMgAAVgcAAKr4//8BAAAAf39/AAEAAABkAAAAAAAAABQAAABAHwAAAAAAACYAAAAAAAAAwOD//wAAAAAmAAAAZAAAABYAAABMAAAAAAAAAAAAAAAEAAAAAAAAAAEAAADn5uYKAAAAACgAAAAoAAAAZAAAAGQAAAAAAAAAzMzMAAAAAABQAAAAUAAAAGQAAABkAAAAAAAAABcAAAAUAAAAAAAAAAAAAAD/fwAA/38AAAAAAAAJAAAABAAAANI4I6seAAAAaAAAAAAAAAAAAAAAAAAAAAAAAAAAAAAAECcAABAnAAAAAAAAAAAAAAAAAAAAAAAAAAAAAAAAAAAAAAAAAAAAABQAAAAAAAAAwMD/AAAAAABkAAAAMgAAAAAAAABkAAAAAAAAAH9/fwAKAAAAIgAAABgAAAAAAAAAAAAAAAAAAAAAAAAAAAAAAAAAAAAkAAAAJAAAAAAAAAAHAAAAAAAAAAAAAAAAAAAAAAAAAAAAAAAAAAAAf39/ACUAAABYAAAAAAAAAAAAAAAAAAAAAAAAAAAAAAAAAAAAAAAAAAAAAAAAAAAAAAAAAAAAAAA/AAAAAAAAAKCGAQAAAAAAAAAAAAAAAAAMAAAAAQAAAAAAAAAAAAAAAAAAAB8AAABUAAAARFRqBP///wEAAAAAAAAAAAAAAAAAAAAAAAAAAAAAAAAAAAAAAAAAAP///wF/f38A5+bmA8zMzADAwP8Af39/AAAAAAAAAAAAAAAAAAAAAAAAAAAAIQAAABgAAAAUAAAA9SEAANgXAACQKwAAAhoAABAAAAAmAAAACAAAAP//////////"/>
+                <pr:smNativeData xmlns:mc="http://schemas.openxmlformats.org/markup-compatibility/2006" xmlns:p14="http://schemas.microsoft.com/office/powerpoint/2010/main" xmlns:p15="http://schemas.microsoft.com/office/powerpoint/2012/main" xmlns:pr="smNativeData" xmlns="smNativeData" val="SMDATA_15_q5OGZBMAAAAlAAAAZQAAAA0AAAAAjgAAAEcAAACOAAAARwAAAAAAAAABAAAAAAAAAAEAAABQAAAAhbacS3FV1T8AAAAAAADwvwAAAAAAAOA/AAAAAAAA4D8AAAAAAADgPwAAAAAAAOA/AAAAAAAA4D8AAAAAAADgPwAAAAAAAOA/AAAAAAAA4D8CAAAAjAAAAAEAAAAAAAAARFRqC////wgAAAAAAAAAAAAAAAAAAAAAAAAAAAAAAAAAAAAAZAAAAAEAAABAAAAAAAAAAAAAAAAAAAAAAAAAAAAAAAAAAAAAAAAAAAAAAAAAAAAAAAAAAAAAAAAAAAAAAAAAAAAAAAAAAAAAAAAAAAAAAAAAAAAAAAAAAAAAAAAAAAAAFAAAADwAAAABAAAAAAAAAP///wgoAAAAAQAAABQAAAAUAAAAFAAAAAEAAAAAAAAAZAAAAGQAAAAAAAAAZAAAAGQAAAAVAAAAYAAAAAAAAAAAAAAADwAAACADAAAAAAAAAAAAAAEAAACgMgAAVgcAAKr4//8BAAAAf39/AAEAAABkAAAAAAAAABQAAABAHwAAAAAAACYAAAAAAAAAwOD//wAAAAAmAAAAZAAAABYAAABMAAAAAAAAAAAAAAAEAAAAAAAAAAEAAADn5uYKAAAAACgAAAAoAAAAZAAAAGQAAAAAAAAAzMzMAAAAAABQAAAAUAAAAGQAAABkAAAAAAAAABcAAAAUAAAAAAAAAAAAAAD/fwAA/38AAAAAAAAJAAAABAAAANI4I6seAAAAaAAAAAAAAAAAAAAAAAAAAAAAAAAAAAAAECcAABAnAAAAAAAAAAAAAAAAAAAAAAAAAAAAAAAAAAAAAAAAAAAAABQAAAAAAAAAwMD/AAAAAABkAAAAMgAAAAAAAABkAAAAAAAAAH9/fwAKAAAAIgAAABgAAAAAAAAAAAAAAAAAAAAAAAAAAAAAAAAAAAAkAAAAJAAAAAAAAAAHAAAAAAAAAAAAAAAAAAAAAAAAAAAAAAAAAAAAf39/ACUAAABYAAAAAAAAAAAAAAAAAAAAAAAAAAAAAAAAAAAAAAAAAAAAAAAAAAAAAAAAAAAAAAA/AAAAAAAAAKCGAQAAAAAAAAAAAAAAAAAMAAAAAQAAAAAAAAAAAAAAAAAAAB8AAABUAAAARFRqBP///wEAAAAAAAAAAAAAAAAAAAAAAAAAAAAAAAAAAAAAAAAAAP///wF/f38A5+bmA8zMzADAwP8Af39/AAAAAAAAAAAAAAAAAAAAAAAAAAAAIQAAABgAAAAUAAAA9SEAANgXAACQKwAAAhoAABAAAAAmAAAACAAAAP//////////"/>
               </a:ext>
             </a:extLst>
           </p:cNvSpPr>
@@ -10776,7 +10779,7 @@
           <p:cNvSpPr>
             <a:extLst>
               <a:ext uri="smNativeData">
-                <pr:smNativeData xmlns="smNativeData" xmlns:pr="smNativeData" xmlns:p15="http://schemas.microsoft.com/office/powerpoint/2012/main" xmlns:p14="http://schemas.microsoft.com/office/powerpoint/2010/main" xmlns:mc="http://schemas.openxmlformats.org/markup-compatibility/2006" val="SMDATA_15_q5OGZBMAAAAlAAAAZQAAAA0AAAAAjgAAAEcAAACOAAAARwAAAAAAAAABAAAAAAAAAAEAAABQAAAAhbacS3FV1T8AAAAAAADwvwAAAAAAAOA/AAAAAAAA4D8AAAAAAADgPwAAAAAAAOA/AAAAAAAA4D8AAAAAAADgPwAAAAAAAOA/AAAAAAAA4D8CAAAAjAAAAAEAAAAAAAAARFRqC////wgAAAAAAAAAAAAAAAAAAAAAAAAAAAAAAAAAAAAAZAAAAAEAAABAAAAAAAAAAAAAAAAAAAAAAAAAAAAAAAAAAAAAAAAAAAAAAAAAAAAAAAAAAAAAAAAAAAAAAAAAAAAAAAAAAAAAAAAAAAAAAAAAAAAAAAAAAAAAAAAAAAAAFAAAADwAAAABAAAAAAAAAP///wgoAAAAAQAAABQAAAAUAAAAFAAAAAEAAAAAAAAAZAAAAGQAAAAAAAAAZAAAAGQAAAAVAAAAYAAAAAAAAAAAAAAADwAAACADAAAAAAAAAAAAAAEAAACgMgAAVgcAAKr4//8BAAAAf39/AAEAAABkAAAAAAAAABQAAABAHwAAAAAAACYAAAAAAAAAwOD//wAAAAAmAAAAZAAAABYAAABMAAAAAAAAAAAAAAAEAAAAAAAAAAEAAADn5uYKAAAAACgAAAAoAAAAZAAAAGQAAAAAAAAAzMzMAAAAAABQAAAAUAAAAGQAAABkAAAAAAAAABcAAAAUAAAAAAAAAAAAAAD/fwAA/38AAAAAAAAJAAAABAAAAF8AYAAeAAAAaAAAAAAAAAAAAAAAAAAAAAAAAAAAAAAAECcAABAnAAAAAAAAAAAAAAAAAAAAAAAAAAAAAAAAAAAAAAAAAAAAABQAAAAAAAAAwMD/AAAAAABkAAAAMgAAAAAAAABkAAAAAAAAAH9/fwAKAAAAIgAAABgAAAAAAAAAAAAAAAAAAAAAAAAAAAAAAAAAAAAkAAAAJAAAAAAAAAAHAAAAAAAAAAAAAAAAAAAAAAAAAAAAAAAAAAAAf39/ACUAAABYAAAAAAAAAAAAAAAAAAAAAAAAAAAAAAAAAAAAAAAAAAAAAAAAAAAAAAAAAAAAAAA/AAAAAAAAAKCGAQAAAAAAAAAAAAAAAAAMAAAAAQAAAAAAAAAAAAAAAAAAAB8AAABUAAAARFRqBP///wEAAAAAAAAAAAAAAAAAAAAAAAAAAAAAAAAAAAAAAAAAAP///wF/f38A5+bmA8zMzADAwP8Af39/AAAAAAAAAAAAAAAAAAAAAAAAAAAAIQAAABgAAAAUAAAA2TYAAKAaAABzQAAAyhwAABAAAAAmAAAACAAAAP//////////"/>
+                <pr:smNativeData xmlns:mc="http://schemas.openxmlformats.org/markup-compatibility/2006" xmlns:p14="http://schemas.microsoft.com/office/powerpoint/2010/main" xmlns:p15="http://schemas.microsoft.com/office/powerpoint/2012/main" xmlns:pr="smNativeData" xmlns="smNativeData" val="SMDATA_15_q5OGZBMAAAAlAAAAZQAAAA0AAAAAjgAAAEcAAACOAAAARwAAAAAAAAABAAAAAAAAAAEAAABQAAAAhbacS3FV1T8AAAAAAADwvwAAAAAAAOA/AAAAAAAA4D8AAAAAAADgPwAAAAAAAOA/AAAAAAAA4D8AAAAAAADgPwAAAAAAAOA/AAAAAAAA4D8CAAAAjAAAAAEAAAAAAAAARFRqC////wgAAAAAAAAAAAAAAAAAAAAAAAAAAAAAAAAAAAAAZAAAAAEAAABAAAAAAAAAAAAAAAAAAAAAAAAAAAAAAAAAAAAAAAAAAAAAAAAAAAAAAAAAAAAAAAAAAAAAAAAAAAAAAAAAAAAAAAAAAAAAAAAAAAAAAAAAAAAAAAAAAAAAFAAAADwAAAABAAAAAAAAAP///wgoAAAAAQAAABQAAAAUAAAAFAAAAAEAAAAAAAAAZAAAAGQAAAAAAAAAZAAAAGQAAAAVAAAAYAAAAAAAAAAAAAAADwAAACADAAAAAAAAAAAAAAEAAACgMgAAVgcAAKr4//8BAAAAf39/AAEAAABkAAAAAAAAABQAAABAHwAAAAAAACYAAAAAAAAAwOD//wAAAAAmAAAAZAAAABYAAABMAAAAAAAAAAAAAAAEAAAAAAAAAAEAAADn5uYKAAAAACgAAAAoAAAAZAAAAGQAAAAAAAAAzMzMAAAAAABQAAAAUAAAAGQAAABkAAAAAAAAABcAAAAUAAAAAAAAAAAAAAD/fwAA/38AAAAAAAAJAAAABAAAAF8AYAAeAAAAaAAAAAAAAAAAAAAAAAAAAAAAAAAAAAAAECcAABAnAAAAAAAAAAAAAAAAAAAAAAAAAAAAAAAAAAAAAAAAAAAAABQAAAAAAAAAwMD/AAAAAABkAAAAMgAAAAAAAABkAAAAAAAAAH9/fwAKAAAAIgAAABgAAAAAAAAAAAAAAAAAAAAAAAAAAAAAAAAAAAAkAAAAJAAAAAAAAAAHAAAAAAAAAAAAAAAAAAAAAAAAAAAAAAAAAAAAf39/ACUAAABYAAAAAAAAAAAAAAAAAAAAAAAAAAAAAAAAAAAAAAAAAAAAAAAAAAAAAAAAAAAAAAA/AAAAAAAAAKCGAQAAAAAAAAAAAAAAAAAMAAAAAQAAAAAAAAAAAAAAAAAAAB8AAABUAAAARFRqBP///wEAAAAAAAAAAAAAAAAAAAAAAAAAAAAAAAAAAAAAAAAAAP///wF/f38A5+bmA8zMzADAwP8Af39/AAAAAAAAAAAAAAAAAAAAAAAAAAAAIQAAABgAAAAUAAAA2TYAAKAaAABzQAAAyhwAABAAAAAmAAAACAAAAP//////////"/>
               </a:ext>
             </a:extLst>
           </p:cNvSpPr>
@@ -10839,7 +10842,7 @@
           <p:cNvSpPr>
             <a:extLst>
               <a:ext uri="smNativeData">
-                <pr:smNativeData xmlns="smNativeData" xmlns:pr="smNativeData" xmlns:p15="http://schemas.microsoft.com/office/powerpoint/2012/main" xmlns:p14="http://schemas.microsoft.com/office/powerpoint/2010/main" xmlns:mc="http://schemas.openxmlformats.org/markup-compatibility/2006" val="SMDATA_15_q5OGZBMAAAAlAAAAZQAAAA0AAAAAjgAAAEcAAACOAAAARwAAAAAAAAABAAAAAAAAAAEAAABQAAAAhbacS3FV1T8AAAAAAADwvwAAAAAAAOA/AAAAAAAA4D8AAAAAAADgPwAAAAAAAOA/AAAAAAAA4D8AAAAAAADgPwAAAAAAAOA/AAAAAAAA4D8CAAAAjAAAAAEAAAAAAAAARFRqC////wgAAAAAAAAAAAAAAAAAAAAAAAAAAAAAAAAAAAAAZAAAAAEAAABAAAAAAAAAAAAAAAAAAAAAAAAAAAAAAAAAAAAAAAAAAAAAAAAAAAAAAAAAAAAAAAAAAAAAAAAAAAAAAAAAAAAAAAAAAAAAAAAAAAAAAAAAAAAAAAAAAAAAFAAAADwAAAABAAAAAAAAAP///wgoAAAAAQAAABQAAAAUAAAAFAAAAAEAAAAAAAAAZAAAAGQAAAAAAAAAZAAAAGQAAAAVAAAAYAAAAAAAAAAAAAAADwAAACADAAAAAAAAAAAAAAEAAACgMgAAVgcAAKr4//8BAAAAf39/AAEAAABkAAAAAAAAABQAAABAHwAAAAAAACYAAAAAAAAAwOD//wAAAAAmAAAAZAAAABYAAABMAAAAAAAAAAAAAAAEAAAAAAAAAAEAAADn5uYKAAAAACgAAAAoAAAAZAAAAGQAAAAAAAAAzMzMAAAAAABQAAAAUAAAAGQAAABkAAAAAAAAABcAAAAUAAAAAAAAAAAAAAD/fwAA/38AAAAAAAAJAAAABAAAAF8AYAAeAAAAaAAAAAAAAAAAAAAAAAAAAAAAAAAAAAAAECcAABAnAAAAAAAAAAAAAAAAAAAAAAAAAAAAAAAAAAAAAAAAAAAAABQAAAAAAAAAwMD/AAAAAABkAAAAMgAAAAAAAABkAAAAAAAAAH9/fwAKAAAAIgAAABgAAAAAAAAAAAAAAAAAAAAAAAAAAAAAAAAAAAAkAAAAJAAAAAAAAAAHAAAAAAAAAAAAAAAAAAAAAAAAAAAAAAAAAAAAf39/ACUAAABYAAAAAAAAAAAAAAAAAAAAAAAAAAAAAAAAAAAAAAAAAAAAAAAAAAAAAAAAAAAAAAA/AAAAAAAAAKCGAQAAAAAAAAAAAAAAAAAMAAAAAQAAAAAAAAAAAAAAAAAAAB8AAABUAAAARFRqBP///wEAAAAAAAAAAAAAAAAAAAAAAAAAAAAAAAAAAAAAAAAAAP///wF/f38A5+bmA8zMzADAwP8Af39/AAAAAAAAAAAAAAAAAAAAAAAAAAAAIQAAABgAAAAUAAAAfywAAJsaAAAaNgAAxBwAABAAAAAmAAAACAAAAP//////////"/>
+                <pr:smNativeData xmlns:mc="http://schemas.openxmlformats.org/markup-compatibility/2006" xmlns:p14="http://schemas.microsoft.com/office/powerpoint/2010/main" xmlns:p15="http://schemas.microsoft.com/office/powerpoint/2012/main" xmlns:pr="smNativeData" xmlns="smNativeData" val="SMDATA_15_q5OGZBMAAAAlAAAAZQAAAA0AAAAAjgAAAEcAAACOAAAARwAAAAAAAAABAAAAAAAAAAEAAABQAAAAhbacS3FV1T8AAAAAAADwvwAAAAAAAOA/AAAAAAAA4D8AAAAAAADgPwAAAAAAAOA/AAAAAAAA4D8AAAAAAADgPwAAAAAAAOA/AAAAAAAA4D8CAAAAjAAAAAEAAAAAAAAARFRqC////wgAAAAAAAAAAAAAAAAAAAAAAAAAAAAAAAAAAAAAZAAAAAEAAABAAAAAAAAAAAAAAAAAAAAAAAAAAAAAAAAAAAAAAAAAAAAAAAAAAAAAAAAAAAAAAAAAAAAAAAAAAAAAAAAAAAAAAAAAAAAAAAAAAAAAAAAAAAAAAAAAAAAAFAAAADwAAAABAAAAAAAAAP///wgoAAAAAQAAABQAAAAUAAAAFAAAAAEAAAAAAAAAZAAAAGQAAAAAAAAAZAAAAGQAAAAVAAAAYAAAAAAAAAAAAAAADwAAACADAAAAAAAAAAAAAAEAAACgMgAAVgcAAKr4//8BAAAAf39/AAEAAABkAAAAAAAAABQAAABAHwAAAAAAACYAAAAAAAAAwOD//wAAAAAmAAAAZAAAABYAAABMAAAAAAAAAAAAAAAEAAAAAAAAAAEAAADn5uYKAAAAACgAAAAoAAAAZAAAAGQAAAAAAAAAzMzMAAAAAABQAAAAUAAAAGQAAABkAAAAAAAAABcAAAAUAAAAAAAAAAAAAAD/fwAA/38AAAAAAAAJAAAABAAAAF8AYAAeAAAAaAAAAAAAAAAAAAAAAAAAAAAAAAAAAAAAECcAABAnAAAAAAAAAAAAAAAAAAAAAAAAAAAAAAAAAAAAAAAAAAAAABQAAAAAAAAAwMD/AAAAAABkAAAAMgAAAAAAAABkAAAAAAAAAH9/fwAKAAAAIgAAABgAAAAAAAAAAAAAAAAAAAAAAAAAAAAAAAAAAAAkAAAAJAAAAAAAAAAHAAAAAAAAAAAAAAAAAAAAAAAAAAAAAAAAAAAAf39/ACUAAABYAAAAAAAAAAAAAAAAAAAAAAAAAAAAAAAAAAAAAAAAAAAAAAAAAAAAAAAAAAAAAAA/AAAAAAAAAKCGAQAAAAAAAAAAAAAAAAAMAAAAAQAAAAAAAAAAAAAAAAAAAB8AAABUAAAARFRqBP///wEAAAAAAAAAAAAAAAAAAAAAAAAAAAAAAAAAAAAAAAAAAP///wF/f38A5+bmA8zMzADAwP8Af39/AAAAAAAAAAAAAAAAAAAAAAAAAAAAIQAAABgAAAAUAAAAfywAAJsaAAAaNgAAxBwAABAAAAAmAAAACAAAAP//////////"/>
               </a:ext>
             </a:extLst>
           </p:cNvSpPr>
@@ -10902,7 +10905,7 @@
           <p:cNvSpPr>
             <a:extLst>
               <a:ext uri="smNativeData">
-                <pr:smNativeData xmlns="smNativeData" xmlns:pr="smNativeData" xmlns:p15="http://schemas.microsoft.com/office/powerpoint/2012/main" xmlns:p14="http://schemas.microsoft.com/office/powerpoint/2010/main" xmlns:mc="http://schemas.openxmlformats.org/markup-compatibility/2006" val="SMDATA_15_q5OGZBMAAAAlAAAAZQAAAA0AAAAAjgAAAEcAAACOAAAARwAAAAAAAAABAAAAAAAAAAEAAABQAAAAhbacS3FV1T8AAAAAAADwvwAAAAAAAOA/AAAAAAAA4D8AAAAAAADgPwAAAAAAAOA/AAAAAAAA4D8AAAAAAADgPwAAAAAAAOA/AAAAAAAA4D8CAAAAjAAAAAEAAAAAAAAARFRqC////wgAAAAAAAAAAAAAAAAAAAAAAAAAAAAAAAAAAAAAZAAAAAEAAABAAAAAAAAAAAAAAAAAAAAAAAAAAAAAAAAAAAAAAAAAAAAAAAAAAAAAAAAAAAAAAAAAAAAAAAAAAAAAAAAAAAAAAAAAAAAAAAAAAAAAAAAAAAAAAAAAAAAAFAAAADwAAAABAAAAAAAAAP///wgoAAAAAQAAABQAAAAUAAAAFAAAAAEAAAAAAAAAZAAAAGQAAAAAAAAAZAAAAGQAAAAVAAAAYAAAAAAAAAAAAAAADwAAACADAAAAAAAAAAAAAAEAAACgMgAAVgcAAKr4//8BAAAAf39/AAEAAABkAAAAAAAAABQAAABAHwAAAAAAACYAAAAAAAAAwOD//wAAAAAmAAAAZAAAABYAAABMAAAAAAAAAAAAAAAEAAAAAAAAAAEAAADn5uYKAAAAACgAAAAoAAAAZAAAAGQAAAAAAAAAzMzMAAAAAABQAAAAUAAAAGQAAABkAAAAAAAAABcAAAAUAAAAAAAAAAAAAAD/fwAA/38AAAAAAAAJAAAABAAAAAdR6UQeAAAAaAAAAAAAAAAAAAAAAAAAAAAAAAAAAAAAECcAABAnAAAAAAAAAAAAAAAAAAAAAAAAAAAAAAAAAAAAAAAAAAAAABQAAAAAAAAAwMD/AAAAAABkAAAAMgAAAAAAAABkAAAAAAAAAH9/fwAKAAAAIgAAABgAAAAAAAAAAAAAAAAAAAAAAAAAAAAAAAAAAAAkAAAAJAAAAAAAAAAHAAAAAAAAAAAAAAAAAAAAAAAAAAAAAAAAAAAAf39/ACUAAABYAAAAAAAAAAAAAAAAAAAAAAAAAAAAAAAAAAAAAAAAAAAAAAAAAAAAAAAAAAAAAAA/AAAAAAAAAKCGAQAAAAAAAAAAAAAAAAAMAAAAAQAAAAAAAAAAAAAAAAAAAB8AAABUAAAARFRqBP///wEAAAAAAAAAAAAAAAAAAAAAAAAAAAAAAAAAAAAAAAAAAP///wF/f38A5+bmA8zMzADAwP8Af39/AAAAAAAAAAAAAAAAAAAAAAAAAAAAIQAAABgAAAAUAAAAQz4AAL0XAADeRwAA5xkAABAAAAAmAAAACAAAAP//////////"/>
+                <pr:smNativeData xmlns:mc="http://schemas.openxmlformats.org/markup-compatibility/2006" xmlns:p14="http://schemas.microsoft.com/office/powerpoint/2010/main" xmlns:p15="http://schemas.microsoft.com/office/powerpoint/2012/main" xmlns:pr="smNativeData" xmlns="smNativeData" val="SMDATA_15_q5OGZBMAAAAlAAAAZQAAAA0AAAAAjgAAAEcAAACOAAAARwAAAAAAAAABAAAAAAAAAAEAAABQAAAAhbacS3FV1T8AAAAAAADwvwAAAAAAAOA/AAAAAAAA4D8AAAAAAADgPwAAAAAAAOA/AAAAAAAA4D8AAAAAAADgPwAAAAAAAOA/AAAAAAAA4D8CAAAAjAAAAAEAAAAAAAAARFRqC////wgAAAAAAAAAAAAAAAAAAAAAAAAAAAAAAAAAAAAAZAAAAAEAAABAAAAAAAAAAAAAAAAAAAAAAAAAAAAAAAAAAAAAAAAAAAAAAAAAAAAAAAAAAAAAAAAAAAAAAAAAAAAAAAAAAAAAAAAAAAAAAAAAAAAAAAAAAAAAAAAAAAAAFAAAADwAAAABAAAAAAAAAP///wgoAAAAAQAAABQAAAAUAAAAFAAAAAEAAAAAAAAAZAAAAGQAAAAAAAAAZAAAAGQAAAAVAAAAYAAAAAAAAAAAAAAADwAAACADAAAAAAAAAAAAAAEAAACgMgAAVgcAAKr4//8BAAAAf39/AAEAAABkAAAAAAAAABQAAABAHwAAAAAAACYAAAAAAAAAwOD//wAAAAAmAAAAZAAAABYAAABMAAAAAAAAAAAAAAAEAAAAAAAAAAEAAADn5uYKAAAAACgAAAAoAAAAZAAAAGQAAAAAAAAAzMzMAAAAAABQAAAAUAAAAGQAAABkAAAAAAAAABcAAAAUAAAAAAAAAAAAAAD/fwAA/38AAAAAAAAJAAAABAAAAAdR6UQeAAAAaAAAAAAAAAAAAAAAAAAAAAAAAAAAAAAAECcAABAnAAAAAAAAAAAAAAAAAAAAAAAAAAAAAAAAAAAAAAAAAAAAABQAAAAAAAAAwMD/AAAAAABkAAAAMgAAAAAAAABkAAAAAAAAAH9/fwAKAAAAIgAAABgAAAAAAAAAAAAAAAAAAAAAAAAAAAAAAAAAAAAkAAAAJAAAAAAAAAAHAAAAAAAAAAAAAAAAAAAAAAAAAAAAAAAAAAAAf39/ACUAAABYAAAAAAAAAAAAAAAAAAAAAAAAAAAAAAAAAAAAAAAAAAAAAAAAAAAAAAAAAAAAAAA/AAAAAAAAAKCGAQAAAAAAAAAAAAAAAAAMAAAAAQAAAAAAAAAAAAAAAAAAAB8AAABUAAAARFRqBP///wEAAAAAAAAAAAAAAAAAAAAAAAAAAAAAAAAAAAAAAAAAAP///wF/f38A5+bmA8zMzADAwP8Af39/AAAAAAAAAAAAAAAAAAAAAAAAAAAAIQAAABgAAAAUAAAAQz4AAL0XAADeRwAA5xkAABAAAAAmAAAACAAAAP//////////"/>
               </a:ext>
             </a:extLst>
           </p:cNvSpPr>
@@ -10965,7 +10968,7 @@
           <p:cNvSpPr>
             <a:extLst>
               <a:ext uri="smNativeData">
-                <pr:smNativeData xmlns="smNativeData" xmlns:pr="smNativeData" xmlns:p15="http://schemas.microsoft.com/office/powerpoint/2012/main" xmlns:p14="http://schemas.microsoft.com/office/powerpoint/2010/main" xmlns:mc="http://schemas.openxmlformats.org/markup-compatibility/2006" val="SMDATA_15_q5OGZBMAAAAlAAAACwAAAA0AAAAAEykAAHIUAAAQKwAA1hcAAAAAAAAAAAAAAgAAAAEAAABQAAAAAAAAAAAA4D8AAAAAAADgPwAAAAAAAOA/AAAAAAAA4D8AAAAAAADgPwAAAAAAAOA/AAAAAAAA4D8AAAAAAADgPwAAAAAAAOA/AAAAAAAA4D8CAAAAjAAAAAAAAAAAAAAARHLEDP///wgAAAAAAAAAAAAAAAAAAAAAAAAAAAAAAAAAAAAAZAAAAAEAAABAAAAAAAAAAAAAAAAAAAAAAAAAAAAAAAAAAAAAAAAAAAAAAAAAAAAAAAAAAAAAAAAAAAAAAAAAAAAAAAAAAAAAAAAAAAAAAAAAAAAAAAAAAAAAAAAAAAAAFAAAADwAAAABAAAAAAAAAP///wgPAAAAAQAAABQAAAAUAAAAFAAAAAEAAAAAAAAAZAAAAGQAAAACAAAAZAAAAGQAAAAVAAAAYAAAAAAAAAAAAAAADwAAACADAAAAAAAAAAAAAAEAAACgMgAAVgcAAKr4//8BAAAAf39/AAEAAABkAAAAAAAAABQAAABAHwAAAAAAACYAAAAAAAAAwOD//wAAAAAmAAAAZAAAABYAAABMAAAAAAAAAAAAAAAEAAAAAAAAAAEAAADn5uYKAAAAACgAAAAoAAAAZAAAAGQAAAAAAAAAzMzMAAAAAABQAAAAUAAAAGQAAABkAAAAAAAAABcAAAAUAAAAAAAAAAAAAAD/fwAA/38AAAAAAAAJAAAABAAAAILGgJUeAAAAaAAAAAAAAAAAAAAAAAAAAAAAAAAAAAAAECcAABAnAAAAAAAAAAAAAAAAAAAAAAAAAAAAAAAAAAAAAAAAAAAAABQAAAAAAAAAwMD/AAAAAABkAAAAMgAAAAAAAABkAAAAAAAAAH9/fwAKAAAAIgAAABgAAAAAAAAAAAAAAAAAAAAAAAAAAAAAAAAAAAAkAAAAJAAAAAAAAAAHAAAAAAAAAAAAAAAAAAAAAAAAAAAAAAAAAAAAf39/ACUAAABYAAAAAAAAAAAAAAAAAAAAAAAAAAAAAAAAAAAAAAAAAAAAAAAAAAAAAAAAAAAAAAA/AAAAAAAAAKCGAQAAAAAAAAAAAAAAAAAMAAAAAQAAAAAAAAAAAAAAAAAAAB8AAABUAAAARHLEBf///wEAAAAAAAAAAAAAAAAAAAAAAAAAAAAAAAAAAAAAAAAAAP///wF/f38A5+bmA8zMzADAwP8Af39/AAAAAAAAAAAAAAAAAAAAAAAAAAAAIQAAABgAAAAUAAAAEykAAHIUAAAQKwAA1hcAABAAAAAmAAAACAAAAP//////////"/>
+                <pr:smNativeData xmlns:mc="http://schemas.openxmlformats.org/markup-compatibility/2006" xmlns:p14="http://schemas.microsoft.com/office/powerpoint/2010/main" xmlns:p15="http://schemas.microsoft.com/office/powerpoint/2012/main" xmlns:pr="smNativeData" xmlns="smNativeData" val="SMDATA_15_q5OGZBMAAAAlAAAACwAAAA0AAAAAEykAAHIUAAAQKwAA1hcAAAAAAAAAAAAAAgAAAAEAAABQAAAAAAAAAAAA4D8AAAAAAADgPwAAAAAAAOA/AAAAAAAA4D8AAAAAAADgPwAAAAAAAOA/AAAAAAAA4D8AAAAAAADgPwAAAAAAAOA/AAAAAAAA4D8CAAAAjAAAAAAAAAAAAAAARHLEDP///wgAAAAAAAAAAAAAAAAAAAAAAAAAAAAAAAAAAAAAZAAAAAEAAABAAAAAAAAAAAAAAAAAAAAAAAAAAAAAAAAAAAAAAAAAAAAAAAAAAAAAAAAAAAAAAAAAAAAAAAAAAAAAAAAAAAAAAAAAAAAAAAAAAAAAAAAAAAAAAAAAAAAAFAAAADwAAAABAAAAAAAAAP///wgPAAAAAQAAABQAAAAUAAAAFAAAAAEAAAAAAAAAZAAAAGQAAAACAAAAZAAAAGQAAAAVAAAAYAAAAAAAAAAAAAAADwAAACADAAAAAAAAAAAAAAEAAACgMgAAVgcAAKr4//8BAAAAf39/AAEAAABkAAAAAAAAABQAAABAHwAAAAAAACYAAAAAAAAAwOD//wAAAAAmAAAAZAAAABYAAABMAAAAAAAAAAAAAAAEAAAAAAAAAAEAAADn5uYKAAAAACgAAAAoAAAAZAAAAGQAAAAAAAAAzMzMAAAAAABQAAAAUAAAAGQAAABkAAAAAAAAABcAAAAUAAAAAAAAAAAAAAD/fwAA/38AAAAAAAAJAAAABAAAAILGgJUeAAAAaAAAAAAAAAAAAAAAAAAAAAAAAAAAAAAAECcAABAnAAAAAAAAAAAAAAAAAAAAAAAAAAAAAAAAAAAAAAAAAAAAABQAAAAAAAAAwMD/AAAAAABkAAAAMgAAAAAAAABkAAAAAAAAAH9/fwAKAAAAIgAAABgAAAAAAAAAAAAAAAAAAAAAAAAAAAAAAAAAAAAkAAAAJAAAAAAAAAAHAAAAAAAAAAAAAAAAAAAAAAAAAAAAAAAAAAAAf39/ACUAAABYAAAAAAAAAAAAAAAAAAAAAAAAAAAAAAAAAAAAAAAAAAAAAAAAAAAAAAAAAAAAAAA/AAAAAAAAAKCGAQAAAAAAAAAAAAAAAAAMAAAAAQAAAAAAAAAAAAAAAAAAAB8AAABUAAAARHLEBf///wEAAAAAAAAAAAAAAAAAAAAAAAAAAAAAAAAAAAAAAAAAAP///wF/f38A5+bmA8zMzADAwP8Af39/AAAAAAAAAAAAAAAAAAAAAAAAAAAAIQAAABgAAAAUAAAAEykAAHIUAAAQKwAA1hcAABAAAAAmAAAACAAAAP//////////"/>
               </a:ext>
             </a:extLst>
           </p:cNvSpPr>
@@ -11011,7 +11014,7 @@
           <p:cNvSpPr>
             <a:extLst>
               <a:ext uri="smNativeData">
-                <pr:smNativeData xmlns="smNativeData" xmlns:pr="smNativeData" xmlns:p15="http://schemas.microsoft.com/office/powerpoint/2012/main" xmlns:p14="http://schemas.microsoft.com/office/powerpoint/2010/main" xmlns:mc="http://schemas.openxmlformats.org/markup-compatibility/2006" val="SMDATA_15_q5OGZBMAAAAlAAAACwAAAA0AAAAACzIAAHIUAAC8NAAAmBoAAAAAAAAAAAAAAgAAAAEAAABQAAAAAAAAAAAA4D8AAAAAAADgPwAAAAAAAOA/AAAAAAAA4D8AAAAAAADgPwAAAAAAAOA/AAAAAAAA4D8AAAAAAADgPwAAAAAAAOA/AAAAAAAA4D8CAAAAjAAAAAAAAAAAAAAARHLEDP///wgAAAAAAAAAAAAAAAAAAAAAAAAAAAAAAAAAAAAAZAAAAAEAAABAAAAAAAAAAAAAAAAAAAAAAAAAAAAAAAAAAAAAAAAAAAAAAAAAAAAAAAAAAAAAAAAAAAAAAAAAAAAAAAAAAAAAAAAAAAAAAAAAAAAAAAAAAAAAAAAAAAAAFAAAADwAAAABAAAAAAAAAP///wgPAAAAAQAAABQAAAAUAAAAFAAAAAEAAAAAAAAAZAAAAGQAAAACAAAAZAAAAGQAAAAVAAAAYAAAAAAAAAAAAAAADwAAACADAAAAAAAAAAAAAAEAAACgMgAAVgcAAKr4//8BAAAAf39/AAEAAABkAAAAAAAAABQAAABAHwAAAAAAACYAAAAAAAAAwOD//wAAAAAmAAAAZAAAABYAAABMAAAAAAAAAAAAAAAEAAAAAAAAAAEAAADn5uYKAAAAACgAAAAoAAAAZAAAAGQAAAAAAAAAzMzMAAAAAABQAAAAUAAAAGQAAABkAAAAAAAAABcAAAAUAAAAAAAAAAAAAAD/fwAA/38AAAAAAAAJAAAABAAAALICAAAeAAAAaAAAAAAAAAAAAAAAAAAAAAAAAAAAAAAAECcAABAnAAAAAAAAAAAAAAAAAAAAAAAAAAAAAAAAAAAAAAAAAAAAABQAAAAAAAAAwMD/AAAAAABkAAAAMgAAAAAAAABkAAAAAAAAAH9/fwAKAAAAIgAAABgAAAAAAAAAAAAAAAAAAAAAAAAAAAAAAAAAAAAkAAAAJAAAAAAAAAAHAAAAAAAAAAAAAAAAAAAAAAAAAAAAAAAAAAAAf39/ACUAAABYAAAAAAAAAAAAAAAAAAAAAAAAAAAAAAAAAAAAAAAAAAAAAAAAAAAAAAAAAAAAAAA/AAAAAAAAAKCGAQAAAAAAAAAAAAAAAAAMAAAAAQAAAAAAAAAAAAAAAAAAAB8AAABUAAAARHLEBf///wEAAAAAAAAAAAAAAAAAAAAAAAAAAAAAAAAAAAAAAAAAAP///wF/f38A5+bmA8zMzADAwP8Af39/AAAAAAAAAAAAAAAAAAAAAAAAAAAAIQAAABgAAAAUAAAACzIAAHIUAAC8NAAAmBoAABAAAAAmAAAACAAAAP//////////"/>
+                <pr:smNativeData xmlns:mc="http://schemas.openxmlformats.org/markup-compatibility/2006" xmlns:p14="http://schemas.microsoft.com/office/powerpoint/2010/main" xmlns:p15="http://schemas.microsoft.com/office/powerpoint/2012/main" xmlns:pr="smNativeData" xmlns="smNativeData" val="SMDATA_15_q5OGZBMAAAAlAAAACwAAAA0AAAAACzIAAHIUAAC8NAAAmBoAAAAAAAAAAAAAAgAAAAEAAABQAAAAAAAAAAAA4D8AAAAAAADgPwAAAAAAAOA/AAAAAAAA4D8AAAAAAADgPwAAAAAAAOA/AAAAAAAA4D8AAAAAAADgPwAAAAAAAOA/AAAAAAAA4D8CAAAAjAAAAAAAAAAAAAAARHLEDP///wgAAAAAAAAAAAAAAAAAAAAAAAAAAAAAAAAAAAAAZAAAAAEAAABAAAAAAAAAAAAAAAAAAAAAAAAAAAAAAAAAAAAAAAAAAAAAAAAAAAAAAAAAAAAAAAAAAAAAAAAAAAAAAAAAAAAAAAAAAAAAAAAAAAAAAAAAAAAAAAAAAAAAFAAAADwAAAABAAAAAAAAAP///wgPAAAAAQAAABQAAAAUAAAAFAAAAAEAAAAAAAAAZAAAAGQAAAACAAAAZAAAAGQAAAAVAAAAYAAAAAAAAAAAAAAADwAAACADAAAAAAAAAAAAAAEAAACgMgAAVgcAAKr4//8BAAAAf39/AAEAAABkAAAAAAAAABQAAABAHwAAAAAAACYAAAAAAAAAwOD//wAAAAAmAAAAZAAAABYAAABMAAAAAAAAAAAAAAAEAAAAAAAAAAEAAADn5uYKAAAAACgAAAAoAAAAZAAAAGQAAAAAAAAAzMzMAAAAAABQAAAAUAAAAGQAAABkAAAAAAAAABcAAAAUAAAAAAAAAAAAAAD/fwAA/38AAAAAAAAJAAAABAAAALICAAAeAAAAaAAAAAAAAAAAAAAAAAAAAAAAAAAAAAAAECcAABAnAAAAAAAAAAAAAAAAAAAAAAAAAAAAAAAAAAAAAAAAAAAAABQAAAAAAAAAwMD/AAAAAABkAAAAMgAAAAAAAABkAAAAAAAAAH9/fwAKAAAAIgAAABgAAAAAAAAAAAAAAAAAAAAAAAAAAAAAAAAAAAAkAAAAJAAAAAAAAAAHAAAAAAAAAAAAAAAAAAAAAAAAAAAAAAAAAAAAf39/ACUAAABYAAAAAAAAAAAAAAAAAAAAAAAAAAAAAAAAAAAAAAAAAAAAAAAAAAAAAAAAAAAAAAA/AAAAAAAAAKCGAQAAAAAAAAAAAAAAAAAMAAAAAQAAAAAAAAAAAAAAAAAAAB8AAABUAAAARHLEBf///wEAAAAAAAAAAAAAAAAAAAAAAAAAAAAAAAAAAAAAAAAAAP///wF/f38A5+bmA8zMzADAwP8Af39/AAAAAAAAAAAAAAAAAAAAAAAAAAAAIQAAABgAAAAUAAAACzIAAHIUAAC8NAAAmBoAABAAAAAmAAAACAAAAP//////////"/>
               </a:ext>
             </a:extLst>
           </p:cNvSpPr>
@@ -11057,7 +11060,7 @@
           <p:cNvSpPr>
             <a:extLst>
               <a:ext uri="smNativeData">
-                <pr:smNativeData xmlns="smNativeData" xmlns:pr="smNativeData" xmlns:p15="http://schemas.microsoft.com/office/powerpoint/2012/main" xmlns:p14="http://schemas.microsoft.com/office/powerpoint/2010/main" xmlns:mc="http://schemas.openxmlformats.org/markup-compatibility/2006" val="SMDATA_15_q5OGZBMAAAAlAAAACwAAAA0AAAAAHTkAAHIUAADTOgAAmBoAAAAAAAAAAAAAAgAAAAEAAABQAAAAAAAAAAAA4D8AAAAAAADgPwAAAAAAAOA/AAAAAAAA4D8AAAAAAADgPwAAAAAAAOA/AAAAAAAA4D8AAAAAAADgPwAAAAAAAOA/AAAAAAAA4D8CAAAAjAAAAAAAAAAAAAAARHLEDP///wgAAAAAAAAAAAAAAAAAAAAAAAAAAAAAAAAAAAAAZAAAAAEAAABAAAAAAAAAAAAAAAAAAAAAAAAAAAAAAAAAAAAAAAAAAAAAAAAAAAAAAAAAAAAAAAAAAAAAAAAAAAAAAAAAAAAAAAAAAAAAAAAAAAAAAAAAAAAAAAAAAAAAFAAAADwAAAABAAAAAAAAAP///wgPAAAAAQAAABQAAAAUAAAAFAAAAAEAAAAAAAAAZAAAAGQAAAACAAAAZAAAAGQAAAAVAAAAYAAAAAAAAAAAAAAADwAAACADAAAAAAAAAAAAAAEAAACgMgAAVgcAAKr4//8BAAAAf39/AAEAAABkAAAAAAAAABQAAABAHwAAAAAAACYAAAAAAAAAwOD//wAAAAAmAAAAZAAAABYAAABMAAAAAAAAAAAAAAAEAAAAAAAAAAEAAADn5uYKAAAAACgAAAAoAAAAZAAAAGQAAAAAAAAAzMzMAAAAAABQAAAAUAAAAGQAAABkAAAAAAAAABcAAAAUAAAAAAAAAAAAAAD/fwAA/38AAAAAAAAJAAAABAAAAAIAAAAeAAAAaAAAAAAAAAAAAAAAAAAAAAAAAAAAAAAAECcAABAnAAAAAAAAAAAAAAAAAAAAAAAAAAAAAAAAAAAAAAAAAAAAABQAAAAAAAAAwMD/AAAAAABkAAAAMgAAAAAAAABkAAAAAAAAAH9/fwAKAAAAIgAAABgAAAAAAAAAAAAAAAAAAAAAAAAAAAAAAAAAAAAkAAAAJAAAAAAAAAAHAAAAAAAAAAAAAAAAAAAAAAAAAAAAAAAAAAAAf39/ACUAAABYAAAAAAAAAAAAAAAAAAAAAAAAAAAAAAAAAAAAAAAAAAAAAAAAAAAAAAAAAAAAAAA/AAAAAAAAAKCGAQAAAAAAAAAAAAAAAAAMAAAAAQAAAAAAAAAAAAAAAAAAAB8AAABUAAAARHLEBf///wEAAAAAAAAAAAAAAAAAAAAAAAAAAAAAAAAAAAAAAAAAAP///wF/f38A5+bmA8zMzADAwP8Af39/AAAAAAAAAAAAAAAAAAAAAAAAAAAAIQAAABgAAAAUAAAAHTkAAHIUAADTOgAAmBoAABAAAAAmAAAACAAAAP//////////"/>
+                <pr:smNativeData xmlns:mc="http://schemas.openxmlformats.org/markup-compatibility/2006" xmlns:p14="http://schemas.microsoft.com/office/powerpoint/2010/main" xmlns:p15="http://schemas.microsoft.com/office/powerpoint/2012/main" xmlns:pr="smNativeData" xmlns="smNativeData" val="SMDATA_15_q5OGZBMAAAAlAAAACwAAAA0AAAAAHTkAAHIUAADTOgAAmBoAAAAAAAAAAAAAAgAAAAEAAABQAAAAAAAAAAAA4D8AAAAAAADgPwAAAAAAAOA/AAAAAAAA4D8AAAAAAADgPwAAAAAAAOA/AAAAAAAA4D8AAAAAAADgPwAAAAAAAOA/AAAAAAAA4D8CAAAAjAAAAAAAAAAAAAAARHLEDP///wgAAAAAAAAAAAAAAAAAAAAAAAAAAAAAAAAAAAAAZAAAAAEAAABAAAAAAAAAAAAAAAAAAAAAAAAAAAAAAAAAAAAAAAAAAAAAAAAAAAAAAAAAAAAAAAAAAAAAAAAAAAAAAAAAAAAAAAAAAAAAAAAAAAAAAAAAAAAAAAAAAAAAFAAAADwAAAABAAAAAAAAAP///wgPAAAAAQAAABQAAAAUAAAAFAAAAAEAAAAAAAAAZAAAAGQAAAACAAAAZAAAAGQAAAAVAAAAYAAAAAAAAAAAAAAADwAAACADAAAAAAAAAAAAAAEAAACgMgAAVgcAAKr4//8BAAAAf39/AAEAAABkAAAAAAAAABQAAABAHwAAAAAAACYAAAAAAAAAwOD//wAAAAAmAAAAZAAAABYAAABMAAAAAAAAAAAAAAAEAAAAAAAAAAEAAADn5uYKAAAAACgAAAAoAAAAZAAAAGQAAAAAAAAAzMzMAAAAAABQAAAAUAAAAGQAAABkAAAAAAAAABcAAAAUAAAAAAAAAAAAAAD/fwAA/38AAAAAAAAJAAAABAAAAAIAAAAeAAAAaAAAAAAAAAAAAAAAAAAAAAAAAAAAAAAAECcAABAnAAAAAAAAAAAAAAAAAAAAAAAAAAAAAAAAAAAAAAAAAAAAABQAAAAAAAAAwMD/AAAAAABkAAAAMgAAAAAAAABkAAAAAAAAAH9/fwAKAAAAIgAAABgAAAAAAAAAAAAAAAAAAAAAAAAAAAAAAAAAAAAkAAAAJAAAAAAAAAAHAAAAAAAAAAAAAAAAAAAAAAAAAAAAAAAAAAAAf39/ACUAAABYAAAAAAAAAAAAAAAAAAAAAAAAAAAAAAAAAAAAAAAAAAAAAAAAAAAAAAAAAAAAAAA/AAAAAAAAAKCGAQAAAAAAAAAAAAAAAAAMAAAAAQAAAAAAAAAAAAAAAAAAAB8AAABUAAAARHLEBf///wEAAAAAAAAAAAAAAAAAAAAAAAAAAAAAAAAAAAAAAAAAAP///wF/f38A5+bmA8zMzADAwP8Af39/AAAAAAAAAAAAAAAAAAAAAAAAAAAAIQAAABgAAAAUAAAAHTkAAHIUAADTOgAAmBoAABAAAAAmAAAACAAAAP//////////"/>
               </a:ext>
             </a:extLst>
           </p:cNvSpPr>
@@ -11103,7 +11106,7 @@
           <p:cNvSpPr>
             <a:extLst>
               <a:ext uri="smNativeData">
-                <pr:smNativeData xmlns="smNativeData" xmlns:pr="smNativeData" xmlns:p15="http://schemas.microsoft.com/office/powerpoint/2012/main" xmlns:p14="http://schemas.microsoft.com/office/powerpoint/2010/main" xmlns:mc="http://schemas.openxmlformats.org/markup-compatibility/2006" val="SMDATA_15_q5OGZBMAAAAlAAAACwAAAA0AAAAAc0AAAHIUAADrQQAAuxcAAAAAAAAAAAAAAgAAAAEAAABQAAAAAAAAAAAA4D8AAAAAAADgPwAAAAAAAOA/AAAAAAAA4D8AAAAAAADgPwAAAAAAAOA/AAAAAAAA4D8AAAAAAADgPwAAAAAAAOA/AAAAAAAA4D8CAAAAjAAAAAAAAAAAAAAARHLEDP///wgAAAAAAAAAAAAAAAAAAAAAAAAAAAAAAAAAAAAAZAAAAAEAAABAAAAAAAAAAAAAAAAAAAAAAAAAAAAAAAAAAAAAAAAAAAAAAAAAAAAAAAAAAAAAAAAAAAAAAAAAAAAAAAAAAAAAAAAAAAAAAAAAAAAAAAAAAAAAAAAAAAAAFAAAADwAAAABAAAAAAAAAP///wgPAAAAAQAAABQAAAAUAAAAFAAAAAEAAAAAAAAAZAAAAGQAAAACAAAAZAAAAGQAAAAVAAAAYAAAAAAAAAAAAAAADwAAACADAAAAAAAAAAAAAAEAAACgMgAAVgcAAKr4//8BAAAAf39/AAEAAABkAAAAAAAAABQAAABAHwAAAAAAACYAAAAAAAAAwOD//wAAAAAmAAAAZAAAABYAAABMAAAAAAAAAAAAAAAEAAAAAAAAAAEAAADn5uYKAAAAACgAAAAoAAAAZAAAAGQAAAAAAAAAzMzMAAAAAABQAAAAUAAAAGQAAABkAAAAAAAAABcAAAAUAAAAAAAAAAAAAAD/fwAA/38AAAAAAAAJAAAABAAAAH0AAAAeAAAAaAAAAAAAAAAAAAAAAAAAAAAAAAAAAAAAECcAABAnAAAAAAAAAAAAAAAAAAAAAAAAAAAAAAAAAAAAAAAAAAAAABQAAAAAAAAAwMD/AAAAAABkAAAAMgAAAAAAAABkAAAAAAAAAH9/fwAKAAAAIgAAABgAAAAAAAAAAAAAAAAAAAAAAAAAAAAAAAAAAAAkAAAAJAAAAAAAAAAHAAAAAAAAAAAAAAAAAAAAAAAAAAAAAAAAAAAAf39/ACUAAABYAAAAAAAAAAAAAAAAAAAAAAAAAAAAAAAAAAAAAAAAAAAAAAAAAAAAAAAAAAAAAAA/AAAAAAAAAKCGAQAAAAAAAAAAAAAAAAAMAAAAAQAAAAAAAAAAAAAAAAAAAB8AAABUAAAARHLEBf///wEAAAAAAAAAAAAAAAAAAAAAAAAAAAAAAAAAAAAAAAAAAP///wF/f38A5+bmA8zMzADAwP8Af39/AAAAAAAAAAAAAAAAAAAAAAAAAAAAIQAAABgAAAAUAAAAc0AAAHIUAADrQQAAuxcAABAAAAAmAAAACAAAAP//////////"/>
+                <pr:smNativeData xmlns:mc="http://schemas.openxmlformats.org/markup-compatibility/2006" xmlns:p14="http://schemas.microsoft.com/office/powerpoint/2010/main" xmlns:p15="http://schemas.microsoft.com/office/powerpoint/2012/main" xmlns:pr="smNativeData" xmlns="smNativeData" val="SMDATA_15_q5OGZBMAAAAlAAAACwAAAA0AAAAAc0AAAHIUAADrQQAAuxcAAAAAAAAAAAAAAgAAAAEAAABQAAAAAAAAAAAA4D8AAAAAAADgPwAAAAAAAOA/AAAAAAAA4D8AAAAAAADgPwAAAAAAAOA/AAAAAAAA4D8AAAAAAADgPwAAAAAAAOA/AAAAAAAA4D8CAAAAjAAAAAAAAAAAAAAARHLEDP///wgAAAAAAAAAAAAAAAAAAAAAAAAAAAAAAAAAAAAAZAAAAAEAAABAAAAAAAAAAAAAAAAAAAAAAAAAAAAAAAAAAAAAAAAAAAAAAAAAAAAAAAAAAAAAAAAAAAAAAAAAAAAAAAAAAAAAAAAAAAAAAAAAAAAAAAAAAAAAAAAAAAAAFAAAADwAAAABAAAAAAAAAP///wgPAAAAAQAAABQAAAAUAAAAFAAAAAEAAAAAAAAAZAAAAGQAAAACAAAAZAAAAGQAAAAVAAAAYAAAAAAAAAAAAAAADwAAACADAAAAAAAAAAAAAAEAAACgMgAAVgcAAKr4//8BAAAAf39/AAEAAABkAAAAAAAAABQAAABAHwAAAAAAACYAAAAAAAAAwOD//wAAAAAmAAAAZAAAABYAAABMAAAAAAAAAAAAAAAEAAAAAAAAAAEAAADn5uYKAAAAACgAAAAoAAAAZAAAAGQAAAAAAAAAzMzMAAAAAABQAAAAUAAAAGQAAABkAAAAAAAAABcAAAAUAAAAAAAAAAAAAAD/fwAA/38AAAAAAAAJAAAABAAAAH0AAAAeAAAAaAAAAAAAAAAAAAAAAAAAAAAAAAAAAAAAECcAABAnAAAAAAAAAAAAAAAAAAAAAAAAAAAAAAAAAAAAAAAAAAAAABQAAAAAAAAAwMD/AAAAAABkAAAAMgAAAAAAAABkAAAAAAAAAH9/fwAKAAAAIgAAABgAAAAAAAAAAAAAAAAAAAAAAAAAAAAAAAAAAAAkAAAAJAAAAAAAAAAHAAAAAAAAAAAAAAAAAAAAAAAAAAAAAAAAAAAAf39/ACUAAABYAAAAAAAAAAAAAAAAAAAAAAAAAAAAAAAAAAAAAAAAAAAAAAAAAAAAAAAAAAAAAAA/AAAAAAAAAKCGAQAAAAAAAAAAAAAAAAAMAAAAAQAAAAAAAAAAAAAAAAAAAB8AAABUAAAARHLEBf///wEAAAAAAAAAAAAAAAAAAAAAAAAAAAAAAAAAAAAAAAAAAP///wF/f38A5+bmA8zMzADAwP8Af39/AAAAAAAAAAAAAAAAAAAAAAAAAAAAIQAAABgAAAAUAAAAc0AAAHIUAADrQQAAuxcAABAAAAAmAAAACAAAAP//////////"/>
               </a:ext>
             </a:extLst>
           </p:cNvSpPr>
@@ -11182,7 +11185,7 @@
           <p:cNvSpPr>
             <a:extLst>
               <a:ext uri="smNativeData">
-                <pr:smNativeData xmlns="smNativeData" xmlns:pr="smNativeData" xmlns:p15="http://schemas.microsoft.com/office/powerpoint/2012/main" xmlns:p14="http://schemas.microsoft.com/office/powerpoint/2010/main" xmlns:mc="http://schemas.openxmlformats.org/markup-compatibility/2006" val="SMDATA_15_q5OGZBMAAAAlAAAAqgAAAA0AAAAAkAAAAEgAAACQAAAASAAAAAAAAAAAAAAAAAAAAAEAAABQAAAAda9fBcX/xz8AAAAAAADgPwAAAAAAAOA/AAAAAAAA4D8AAAAAAADgPwAAAAAAAOA/AAAAAAAA4D8AAAAAAADgPwAAAAAAAOA/AAAAAAAA4D8CAAAAjAAAAAEAAAAAAAAANEBQAP///wgAAAAAAAAAAAAAAAAAAAAAAAAAAAAAAAAAAAAAZAAAAAEAAABAAAAAAAAAAAAAAAAAAAAAAAAAAAAAAAAAAAAAAAAAAAAAAAAAAAAAAAAAAAAAAAAAAAAAAAAAAAAAAAAAAAAAAAAAAAAAAAAAAAAAAAAAAAAAAAAAAAAAFAAAADwAAAABAAAAAAAAAP///wgoAAAAAQAAABQAAAAUAAAAFAAAAAEAAAAAAAAAZAAAAGQAAAAAAAAAZAAAAGQAAAAVAAAAYAAAAAAAAAAAAAAADwAAACADAAAAAAAAAAAAAAEAAACgMgAAVgcAAKr4//8BAAAAf39/AAEAAABkAAAAAAAAABQAAABAHwAAAAAAACYAAAAAAAAAwOD//wAAAAAmAAAAZAAAABYAAABMAAAAAAAAAAAAAAAEAAAAAAAAAAEAAADn5uYKAAAAACgAAAAoAAAAZAAAAGQAAAAAAAAAzMzMAAAAAABQAAAAUAAAAGQAAABkAAAAAAAAABcAAAAUAAAAAAAAAAAAAAD/fwAA/38AAAAAAAAJAAAABAAAAF8AYAAeAAAAaAAAAAAAAAAAAAAAAAAAAAAAAAAAAAAAECcAABAnAAAAAAAAAAAAAAAAAAAAAAAAAAAAAAAAAAAAAAAAAAAAABQAAAAAAAAAwMD/AAAAAABkAAAAMgAAAAAAAABkAAAAAAAAAH9/fwAKAAAAIgAAABgAAAAAAAAAAAAAAAAAAAAAAAAAAAAAAAAAAAAkAAAAJAAAAAAAAAAHAAAAAAAAAAAAAAAAAAAAAAAAAAAAAAAAAAAAf39/ACUAAABYAAAAAAAAAAAAAAAAAAAAAAAAAAAAAAAAAAAAAAAAAAAAAAAAAAAAAAAAAAAAAAA/AAAAAAAAAKCGAQAAAAAAAAAAAAAAAAAMAAAAAQAAAAAAAAAAAAAAAAAAAB8AAABUAAAANEBQAP///wEAAAAAAAAAAAAAAAAAAAAAAAAAAAAAAAAAAAAAAAAAAP///wF/f38A5+bmA8zMzADAwP8Af39/AAAAAAAAAAAAAAAAAAAAAAAAAAAAIQAAABgAAAAUAAAAAAAAAAAAAAD/SgAALyoAABAAAAAmAAAACAAAAP//////////"/>
+                <pr:smNativeData xmlns:mc="http://schemas.openxmlformats.org/markup-compatibility/2006" xmlns:p14="http://schemas.microsoft.com/office/powerpoint/2010/main" xmlns:p15="http://schemas.microsoft.com/office/powerpoint/2012/main" xmlns:pr="smNativeData" xmlns="smNativeData" val="SMDATA_15_q5OGZBMAAAAlAAAAqgAAAA0AAAAAkAAAAEgAAACQAAAASAAAAAAAAAAAAAAAAAAAAAEAAABQAAAAda9fBcX/xz8AAAAAAADgPwAAAAAAAOA/AAAAAAAA4D8AAAAAAADgPwAAAAAAAOA/AAAAAAAA4D8AAAAAAADgPwAAAAAAAOA/AAAAAAAA4D8CAAAAjAAAAAEAAAAAAAAANEBQAP///wgAAAAAAAAAAAAAAAAAAAAAAAAAAAAAAAAAAAAAZAAAAAEAAABAAAAAAAAAAAAAAAAAAAAAAAAAAAAAAAAAAAAAAAAAAAAAAAAAAAAAAAAAAAAAAAAAAAAAAAAAAAAAAAAAAAAAAAAAAAAAAAAAAAAAAAAAAAAAAAAAAAAAFAAAADwAAAABAAAAAAAAAP///wgoAAAAAQAAABQAAAAUAAAAFAAAAAEAAAAAAAAAZAAAAGQAAAAAAAAAZAAAAGQAAAAVAAAAYAAAAAAAAAAAAAAADwAAACADAAAAAAAAAAAAAAEAAACgMgAAVgcAAKr4//8BAAAAf39/AAEAAABkAAAAAAAAABQAAABAHwAAAAAAACYAAAAAAAAAwOD//wAAAAAmAAAAZAAAABYAAABMAAAAAAAAAAAAAAAEAAAAAAAAAAEAAADn5uYKAAAAACgAAAAoAAAAZAAAAGQAAAAAAAAAzMzMAAAAAABQAAAAUAAAAGQAAABkAAAAAAAAABcAAAAUAAAAAAAAAAAAAAD/fwAA/38AAAAAAAAJAAAABAAAAF8AYAAeAAAAaAAAAAAAAAAAAAAAAAAAAAAAAAAAAAAAECcAABAnAAAAAAAAAAAAAAAAAAAAAAAAAAAAAAAAAAAAAAAAAAAAABQAAAAAAAAAwMD/AAAAAABkAAAAMgAAAAAAAABkAAAAAAAAAH9/fwAKAAAAIgAAABgAAAAAAAAAAAAAAAAAAAAAAAAAAAAAAAAAAAAkAAAAJAAAAAAAAAAHAAAAAAAAAAAAAAAAAAAAAAAAAAAAAAAAAAAAf39/ACUAAABYAAAAAAAAAAAAAAAAAAAAAAAAAAAAAAAAAAAAAAAAAAAAAAAAAAAAAAAAAAAAAAA/AAAAAAAAAKCGAQAAAAAAAAAAAAAAAAAMAAAAAQAAAAAAAAAAAAAAAAAAAB8AAABUAAAANEBQAP///wEAAAAAAAAAAAAAAAAAAAAAAAAAAAAAAAAAAAAAAAAAAP///wF/f38A5+bmA8zMzADAwP8Af39/AAAAAAAAAAAAAAAAAAAAAAAAAAAAIQAAABgAAAAUAAAAAAAAAAAAAAD/SgAALyoAABAAAAAmAAAACAAAAP//////////"/>
               </a:ext>
             </a:extLst>
           </p:cNvSpPr>
@@ -11218,7 +11221,7 @@
           <p:cNvSpPr>
             <a:extLst>
               <a:ext uri="smNativeData">
-                <pr:smNativeData xmlns="smNativeData" xmlns:pr="smNativeData" xmlns:p15="http://schemas.microsoft.com/office/powerpoint/2012/main" xmlns:p14="http://schemas.microsoft.com/office/powerpoint/2010/main" xmlns:mc="http://schemas.openxmlformats.org/markup-compatibility/2006" val="SMDATA_15_q5OGZBMAAAAlAAAAZAAAAA0AAAAAjgAAAEcAAACOAAAARwAAAAAAAAABAAAAAAAAAAEAAABQAAAAAAAAAAAA4D8AAAAAAADgPwAAAAAAAOA/AAAAAAAA4D8AAAAAAADgPwAAAAAAAOA/AAAAAAAA4D8AAAAAAADgPwAAAAAAAOA/AAAAAAAA4D8CAAAAjAAAAAEAAAAAAAAAIis1AP///wgAAAAAAAAAAAAAAAAAAAAAAAAAAAAAAAAAAAAAZAAAAAEAAABAAAAAAAAAAAAAAAAAAAAAAAAAAAAAAAAAAAAAAAAAAAAAAAAAAAAAAAAAAAAAAAAAAAAAAAAAAAAAAAAAAAAAAAAAAAAAAAAAAAAAAAAAAAAAAAAAAAAAFAAAADwAAAABAAAAAAAAAOfm5gooAAAAAQAAABQAAAAUAAAAFAAAAAEAAAAAAAAAZAAAAGQAAAAAAAAAZAAAAGQAAAAVAAAAYAAAAAAAAAAAAAAADwAAACADAAAAAAAAAAAAAAEAAACgMgAAVgcAAKr4//8BAAAAf39/AAEAAABkAAAAAAAAABQAAABAHwAAAAAAACYAAAAAAAAAwOD//wAAAAAmAAAAZAAAABYAAABMAAAAAAAAAAAAAAAEAAAAAAAAAAEAAADn5uYKAAAAACgAAAAoAAAAZAAAAGQAAAAAAAAAzMzMAAAAAABQAAAAUAAAAGQAAABkAAAAAAAAABcAAAAUAAAAAAAAAAAAAAD/fwAA/38AAAAAAAAJAAAABAAAANE+VyQeAAAAaAAAAAAAAAAAAAAAAAAAAAAAAAAAAAAAECcAABAnAAAAAAAAAAAAAAAAAAAAAAAAAAAAAAAAAAAAAAAAAAAAABQAAAAAAAAAwMD/AAAAAABkAAAAMgAAAAAAAABkAAAAAAAAAH9/fwAKAAAAIgAAABgAAAAAAAAAAAAAAAAAAAAAAAAAAAAAAAAAAAAkAAAAJAAAAAAAAAAHAAAAAAAAAAAAAAAAAAAAAAAAAAAAAAAAAAAAf39/ACUAAABYAAAAAAAAAAAAAAAAAAAAAAAAAAAAAAAAAAAAAAAAAAAAAAAAAAAAAAAAAAAAAAA/AAAAAAAAAKCGAQAAAAAAAAAAAAAAAAAMAAAAAQAAAAAAAAAAAAAAAAAAAB8AAABUAAAAIis1AP///wEAAAAAAAAAAAAAAAAAAAAAAAAAAAAAAAAAAAAAAAAAAOfm5gN/f38A5+bmA8zMzADAwP8Af39/AAAAAAAAAAAAAAAAAAAAAAAAAAAAIQAAABgAAAAUAAAAQhQAAEkBAAC9NgAARAUAABAAAAAmAAAACAAAAP//////////"/>
+                <pr:smNativeData xmlns:mc="http://schemas.openxmlformats.org/markup-compatibility/2006" xmlns:p14="http://schemas.microsoft.com/office/powerpoint/2010/main" xmlns:p15="http://schemas.microsoft.com/office/powerpoint/2012/main" xmlns:pr="smNativeData" xmlns="smNativeData" val="SMDATA_15_q5OGZBMAAAAlAAAAZAAAAA0AAAAAjgAAAEcAAACOAAAARwAAAAAAAAABAAAAAAAAAAEAAABQAAAAAAAAAAAA4D8AAAAAAADgPwAAAAAAAOA/AAAAAAAA4D8AAAAAAADgPwAAAAAAAOA/AAAAAAAA4D8AAAAAAADgPwAAAAAAAOA/AAAAAAAA4D8CAAAAjAAAAAEAAAAAAAAAIis1AP///wgAAAAAAAAAAAAAAAAAAAAAAAAAAAAAAAAAAAAAZAAAAAEAAABAAAAAAAAAAAAAAAAAAAAAAAAAAAAAAAAAAAAAAAAAAAAAAAAAAAAAAAAAAAAAAAAAAAAAAAAAAAAAAAAAAAAAAAAAAAAAAAAAAAAAAAAAAAAAAAAAAAAAFAAAADwAAAABAAAAAAAAAOfm5gooAAAAAQAAABQAAAAUAAAAFAAAAAEAAAAAAAAAZAAAAGQAAAAAAAAAZAAAAGQAAAAVAAAAYAAAAAAAAAAAAAAADwAAACADAAAAAAAAAAAAAAEAAACgMgAAVgcAAKr4//8BAAAAf39/AAEAAABkAAAAAAAAABQAAABAHwAAAAAAACYAAAAAAAAAwOD//wAAAAAmAAAAZAAAABYAAABMAAAAAAAAAAAAAAAEAAAAAAAAAAEAAADn5uYKAAAAACgAAAAoAAAAZAAAAGQAAAAAAAAAzMzMAAAAAABQAAAAUAAAAGQAAABkAAAAAAAAABcAAAAUAAAAAAAAAAAAAAD/fwAA/38AAAAAAAAJAAAABAAAANE+VyQeAAAAaAAAAAAAAAAAAAAAAAAAAAAAAAAAAAAAECcAABAnAAAAAAAAAAAAAAAAAAAAAAAAAAAAAAAAAAAAAAAAAAAAABQAAAAAAAAAwMD/AAAAAABkAAAAMgAAAAAAAABkAAAAAAAAAH9/fwAKAAAAIgAAABgAAAAAAAAAAAAAAAAAAAAAAAAAAAAAAAAAAAAkAAAAJAAAAAAAAAAHAAAAAAAAAAAAAAAAAAAAAAAAAAAAAAAAAAAAf39/ACUAAABYAAAAAAAAAAAAAAAAAAAAAAAAAAAAAAAAAAAAAAAAAAAAAAAAAAAAAAAAAAAAAAA/AAAAAAAAAKCGAQAAAAAAAAAAAAAAAAAMAAAAAQAAAAAAAAAAAAAAAAAAAB8AAABUAAAAIis1AP///wEAAAAAAAAAAAAAAAAAAAAAAAAAAAAAAAAAAAAAAAAAAOfm5gN/f38A5+bmA8zMzADAwP8Af39/AAAAAAAAAAAAAAAAAAAAAAAAAAAAIQAAABgAAAAUAAAAQhQAAEkBAAC9NgAARAUAABAAAAAmAAAACAAAAP//////////"/>
               </a:ext>
             </a:extLst>
           </p:cNvSpPr>
@@ -11280,7 +11283,7 @@
           <p:cNvSpPr>
             <a:extLst>
               <a:ext uri="smNativeData">
-                <pr:smNativeData xmlns="smNativeData" xmlns:pr="smNativeData" xmlns:p15="http://schemas.microsoft.com/office/powerpoint/2012/main" xmlns:p14="http://schemas.microsoft.com/office/powerpoint/2010/main" xmlns:mc="http://schemas.openxmlformats.org/markup-compatibility/2006" val="SMDATA_15_q5OGZBMAAAAlAAAAZAAAAE0AAAAAjgAAAEcAAACOAAAARwAAAAAAAAAAAAAAAAAAAAEAAABQAAAAAAAAAAAA4D8AAAAAAADgPwAAAAAAAOA/AAAAAAAA4D8AAAAAAADgPwAAAAAAAOA/AAAAAAAA4D8AAAAAAADgPwAAAAAAAOA/AAAAAAAA4D8CAAAAjAAAAAAAAAAAAAAARHLEDP///wgAAAAAAAAAAAAAAAAAAAAAAAAAAAAAAAAAAAAAZAAAAAEAAABAAAAAAAAAAAAAAAAAAAAAAAAAAAAAAAAAAAAAAAAAAAAAAAAAAAAAAAAAAAAAAAAAAAAAAAAAAAAAAAAAAAAAAAAAAAAAAAAAAAAAAAAAAAAAAAAAAAAAFAAAADwAAAAAAAAAAAAAAAAAAAkUAAAAAQAAABQAAAAUAAAAFAAAAAEAAAAAAAAAZAAAAGQAAAAAAAAAZAAAAGQAAAAVAAAAYAAAAAAAAAAAAAAADwAAACADAAAAAAAAAAAAAAEAAACgMgAAVgcAAKr4//8BAAAAf39/AAEAAABkAAAAAAAAABQAAABAHwAAAAAAACYAAAAAAAAAwOD//wAAAAAmAAAAZAAAABYAAABMAAAAAAAAAAAAAAAEAAAAAAAAAAEAAADn5uYKAAAAACgAAAAoAAAAZAAAAGQAAAAAAAAAzMzMAAAAAABQAAAAUAAAAGQAAABkAAAAAAAAABcAAAAUAAAAAAAAAAAAAAD/fwAA/38AAAAAAAAJAAAABAAAAF8AYAAeAAAAaAAAAAAAAAAAAAAAAAAAAAAAAAAAAAAAECcAABAnAAAAAAAAAAAAAAAAAAAAAAAAAAAAAAAAAAAAAAAAAAAAABQAAAAAAAAAwMD/AAAAAABkAAAAMgAAAAAAAABkAAAAAAAAAH9/fwAKAAAAIgAAABgAAAAAAAAAAAAAAAAAAAAAAAAAAAAAAAAAAAAkAAAAJAAAAAAAAAAHAAAAAAAAAAAAAAAAAAAAAAAAAAAAAAAAAAAAf39/ACUAAABYAAAAAAAAAAAAAAAAAAAAAAAAAAAAAAAAAAAAAAAAAAAAAAAAAAAAAAAAAAAAAAA/AAAAAAAAAKCGAQAAAAAAAAAAAAAAAAAMAAAAAQAAAAAAAAAAAAAAAAAAAB8AAABUAAAARHLEBf///wEAAAAAAAAAAAAAAAAAAAAAAAAAAAAAAAAAAAAAAAAAAAAAAAJ/f38A5+bmA8zMzADAwP8Af39/AAAAAAAAAAAAAAAAAAAAAAAAAAAAIQAAABgAAAAUAAAAYwUAAOQGAAD0IQAAYCsAABAgAAAmAAAACAAAAP//////////"/>
+                <pr:smNativeData xmlns:mc="http://schemas.openxmlformats.org/markup-compatibility/2006" xmlns:p14="http://schemas.microsoft.com/office/powerpoint/2010/main" xmlns:p15="http://schemas.microsoft.com/office/powerpoint/2012/main" xmlns:pr="smNativeData" xmlns="smNativeData" val="SMDATA_15_q5OGZBMAAAAlAAAAZAAAAE0AAAAAjgAAAEcAAACOAAAARwAAAAAAAAAAAAAAAAAAAAEAAABQAAAAAAAAAAAA4D8AAAAAAADgPwAAAAAAAOA/AAAAAAAA4D8AAAAAAADgPwAAAAAAAOA/AAAAAAAA4D8AAAAAAADgPwAAAAAAAOA/AAAAAAAA4D8CAAAAjAAAAAAAAAAAAAAARHLEDP///wgAAAAAAAAAAAAAAAAAAAAAAAAAAAAAAAAAAAAAZAAAAAEAAABAAAAAAAAAAAAAAAAAAAAAAAAAAAAAAAAAAAAAAAAAAAAAAAAAAAAAAAAAAAAAAAAAAAAAAAAAAAAAAAAAAAAAAAAAAAAAAAAAAAAAAAAAAAAAAAAAAAAAFAAAADwAAAAAAAAAAAAAAAAAAAkUAAAAAQAAABQAAAAUAAAAFAAAAAEAAAAAAAAAZAAAAGQAAAAAAAAAZAAAAGQAAAAVAAAAYAAAAAAAAAAAAAAADwAAACADAAAAAAAAAAAAAAEAAACgMgAAVgcAAKr4//8BAAAAf39/AAEAAABkAAAAAAAAABQAAABAHwAAAAAAACYAAAAAAAAAwOD//wAAAAAmAAAAZAAAABYAAABMAAAAAAAAAAAAAAAEAAAAAAAAAAEAAADn5uYKAAAAACgAAAAoAAAAZAAAAGQAAAAAAAAAzMzMAAAAAABQAAAAUAAAAGQAAABkAAAAAAAAABcAAAAUAAAAAAAAAAAAAAD/fwAA/38AAAAAAAAJAAAABAAAAF8AYAAeAAAAaAAAAAAAAAAAAAAAAAAAAAAAAAAAAAAAECcAABAnAAAAAAAAAAAAAAAAAAAAAAAAAAAAAAAAAAAAAAAAAAAAABQAAAAAAAAAwMD/AAAAAABkAAAAMgAAAAAAAABkAAAAAAAAAH9/fwAKAAAAIgAAABgAAAAAAAAAAAAAAAAAAAAAAAAAAAAAAAAAAAAkAAAAJAAAAAAAAAAHAAAAAAAAAAAAAAAAAAAAAAAAAAAAAAAAAAAAf39/ACUAAABYAAAAAAAAAAAAAAAAAAAAAAAAAAAAAAAAAAAAAAAAAAAAAAAAAAAAAAAAAAAAAAA/AAAAAAAAAKCGAQAAAAAAAAAAAAAAAAAMAAAAAQAAAAAAAAAAAAAAAAAAAB8AAABUAAAARHLEBf///wEAAAAAAAAAAAAAAAAAAAAAAAAAAAAAAAAAAAAAAAAAAAAAAAJ/f38A5+bmA8zMzADAwP8Af39/AAAAAAAAAAAAAAAAAAAAAAAAAAAAIQAAABgAAAAUAAAAYwUAAOQGAAD0IQAAYCsAABAgAAAmAAAACAAAAP//////////"/>
               </a:ext>
             </a:extLst>
           </p:cNvSpPr>
@@ -11420,7 +11423,7 @@
           <p:cNvPicPr>
             <a:extLst>
               <a:ext uri="smNativeData">
-                <pr:smNativeData xmlns="smNativeData" xmlns:pr="smNativeData" xmlns:p15="http://schemas.microsoft.com/office/powerpoint/2012/main" xmlns:p14="http://schemas.microsoft.com/office/powerpoint/2010/main" xmlns:mc="http://schemas.openxmlformats.org/markup-compatibility/2006" val="SMDATA_17_q5OGZBMAAAAlAAAAEQAAAA0AAAAAkAAAAEgAAACQAAAASAAAAAAAAAAAAAAAAAAAAAEAAABQAAAAAAAAAAAA4D8AAAAAAADgPwAAAAAAAOA/AAAAAAAA4D8AAAAAAADgPwAAAAAAAOA/AAAAAAAA4D8AAAAAAADgPwAAAAAAAOA/AAAAAAAA4D8CAAAAjAAAAAAAAAAAAAAARHLEDP///wgAAAAAAAAAAAAAAAAAAAAAAAAAAAAAAAAAAAAAZAAAAAEAAABAAAAAAAAAAAAAAAAAAAAAAAAAAAAAAAAAAAAAAAAAAAAAAAAAAAAAAAAAAAAAAAAAAAAAAAAAAAAAAAAAAAAAAAAAAAAAAAAAAAAAAAAAAAAAAAAAAAAAFAAAADwAAAAAAAAAAAAAAAAAAAkUAAAAAQAAABQAAAAUAAAAFAAAAAEAAAAAAAAAZAAAAGQAAAAAAAAAZAAAAGQAAAAVAAAAYAAAAAAAAAAAAAAADwAAACADAAAAAAAAAAAAAAEAAACgMgAAVgcAAKr4//8BAAAAf39/AAEAAABkAAAAAAAAABQAAABAHwAAAAAAACYAAAAAAAAAwOD//wAAAAAmAAAAZAAAABYAAABMAAAAAAAAAAAAAAAEAAAAAAAAAAEAAADn5uYKAAAAACgAAAAoAAAAZAAAAGQAAAAAAAAAzMzMAAAAAABQAAAAUAAAAGQAAABkAAAAAAAAAAcAAAA4AAAAAAAAAAAAAAAAAAAA////AAAAAAAAAAAAAAAAAAAAAAAAAAAAAAAAAAAAAABkAAAAZAAAAAAAAAAjAAAABAAAAGQAAAAXAAAAFAAAAAAAAAAAAAAA/38AAP9/AAAAAAAACQAAAAQAAAABAAAAHgAAAGgAAAAAAAAAAAAAAAAAAAAAAAAAAAAAABAnAAAQJwAAAAAAAAAAAAAAAAAAAAAAAAAAAAAAAAAAAAAAAAAAAAAUAAAAAAAAAMDA/wAAAAAAZAAAADIAAAAAAAAAZAAAAAAAAAB/f38ACgAAACIAAAAYAAAAAAAAAAAAAAAAAAAAAAAAAAAAAAAAAAAAJAAAACQAAAAAAAAABwAAAAAAAAAAAAAAAAAAAAAAAAAAAAAAAAAAAH9/fwAlAAAAWAAAAAAAAAAAAAAAAAAAAAAAAAAAAAAAAAAAAAAAAAAAAAAAAAAAAAAAAAAAAAAAPwAAAAAAAACghgEAAAAAAAAAAAAAAAAADAAAAAEAAAAAAAAAAAAAAAAAAAAfAAAAVAAAAERyxAX///8BAAAAAAAAAAAAAAAAAAAAAAAAAAAAAAAAAAAAAAAAAAAAAAACf39/AOfm5gPMzMwAwMD/AH9/fwAAAAAAAAAAAAAAAAD///8AAAAAACEAAAAYAAAAFAAAAFgnAACUCgAAPEQAAJsfAAAQAAAAJgAAAAgAAAD//////////w=="/>
+                <pr:smNativeData xmlns:mc="http://schemas.openxmlformats.org/markup-compatibility/2006" xmlns:p14="http://schemas.microsoft.com/office/powerpoint/2010/main" xmlns:p15="http://schemas.microsoft.com/office/powerpoint/2012/main" xmlns:pr="smNativeData" xmlns="smNativeData" val="SMDATA_17_q5OGZBMAAAAlAAAAEQAAAA0AAAAAkAAAAEgAAACQAAAASAAAAAAAAAAAAAAAAAAAAAEAAABQAAAAAAAAAAAA4D8AAAAAAADgPwAAAAAAAOA/AAAAAAAA4D8AAAAAAADgPwAAAAAAAOA/AAAAAAAA4D8AAAAAAADgPwAAAAAAAOA/AAAAAAAA4D8CAAAAjAAAAAAAAAAAAAAARHLEDP///wgAAAAAAAAAAAAAAAAAAAAAAAAAAAAAAAAAAAAAZAAAAAEAAABAAAAAAAAAAAAAAAAAAAAAAAAAAAAAAAAAAAAAAAAAAAAAAAAAAAAAAAAAAAAAAAAAAAAAAAAAAAAAAAAAAAAAAAAAAAAAAAAAAAAAAAAAAAAAAAAAAAAAFAAAADwAAAAAAAAAAAAAAAAAAAkUAAAAAQAAABQAAAAUAAAAFAAAAAEAAAAAAAAAZAAAAGQAAAAAAAAAZAAAAGQAAAAVAAAAYAAAAAAAAAAAAAAADwAAACADAAAAAAAAAAAAAAEAAACgMgAAVgcAAKr4//8BAAAAf39/AAEAAABkAAAAAAAAABQAAABAHwAAAAAAACYAAAAAAAAAwOD//wAAAAAmAAAAZAAAABYAAABMAAAAAAAAAAAAAAAEAAAAAAAAAAEAAADn5uYKAAAAACgAAAAoAAAAZAAAAGQAAAAAAAAAzMzMAAAAAABQAAAAUAAAAGQAAABkAAAAAAAAAAcAAAA4AAAAAAAAAAAAAAAAAAAA////AAAAAAAAAAAAAAAAAAAAAAAAAAAAAAAAAAAAAABkAAAAZAAAAAAAAAAjAAAABAAAAGQAAAAXAAAAFAAAAAAAAAAAAAAA/38AAP9/AAAAAAAACQAAAAQAAAABAAAAHgAAAGgAAAAAAAAAAAAAAAAAAAAAAAAAAAAAABAnAAAQJwAAAAAAAAAAAAAAAAAAAAAAAAAAAAAAAAAAAAAAAAAAAAAUAAAAAAAAAMDA/wAAAAAAZAAAADIAAAAAAAAAZAAAAAAAAAB/f38ACgAAACIAAAAYAAAAAAAAAAAAAAAAAAAAAAAAAAAAAAAAAAAAJAAAACQAAAAAAAAABwAAAAAAAAAAAAAAAAAAAAAAAAAAAAAAAAAAAH9/fwAlAAAAWAAAAAAAAAAAAAAAAAAAAAAAAAAAAAAAAAAAAAAAAAAAAAAAAAAAAAAAAAAAAAAAPwAAAAAAAACghgEAAAAAAAAAAAAAAAAADAAAAAEAAAAAAAAAAAAAAAAAAAAfAAAAVAAAAERyxAX///8BAAAAAAAAAAAAAAAAAAAAAAAAAAAAAAAAAAAAAAAAAAAAAAACf39/AOfm5gPMzMwAwMD/AH9/fwAAAAAAAAAAAAAAAAD///8AAAAAACEAAAAYAAAAFAAAAFgnAACUCgAAPEQAAJsfAAAQAAAAJgAAAAgAAAD//////////w=="/>
               </a:ext>
             </a:extLst>
           </p:cNvPicPr>
@@ -11486,7 +11489,7 @@
           <p:cNvSpPr>
             <a:extLst>
               <a:ext uri="smNativeData">
-                <pr:smNativeData xmlns="smNativeData" xmlns:pr="smNativeData" xmlns:p15="http://schemas.microsoft.com/office/powerpoint/2012/main" xmlns:p14="http://schemas.microsoft.com/office/powerpoint/2010/main" xmlns:mc="http://schemas.openxmlformats.org/markup-compatibility/2006" val="SMDATA_15_q5OGZBMAAAAlAAAAqgAAAA0AAAAAkAAAAEgAAACQAAAASAAAAAAAAAAAAAAAAAAAAAEAAABQAAAAda9fBcX/xz8AAAAAAADgPwAAAAAAAOA/AAAAAAAA4D8AAAAAAADgPwAAAAAAAOA/AAAAAAAA4D8AAAAAAADgPwAAAAAAAOA/AAAAAAAA4D8CAAAAjAAAAAEAAAAAAAAANEBQAP///wgAAAAAAAAAAAAAAAAAAAAAAAAAAAAAAAAAAAAAZAAAAAEAAABAAAAAAAAAAAAAAAAAAAAAAAAAAAAAAAAAAAAAAAAAAAAAAAAAAAAAAAAAAAAAAAAAAAAAAAAAAAAAAAAAAAAAAAAAAAAAAAAAAAAAAAAAAAAAAAAAAAAAFAAAADwAAAABAAAAAAAAAP///wgoAAAAAQAAABQAAAAUAAAAFAAAAAEAAAAAAAAAZAAAAGQAAAAAAAAAZAAAAGQAAAAVAAAAYAAAAAAAAAAAAAAADwAAACADAAAAAAAAAAAAAAEAAACgMgAAVgcAAKr4//8BAAAAf39/AAEAAABkAAAAAAAAABQAAABAHwAAAAAAACYAAAAAAAAAwOD//wAAAAAmAAAAZAAAABYAAABMAAAAAAAAAAAAAAAEAAAAAAAAAAEAAADn5uYKAAAAACgAAAAoAAAAZAAAAGQAAAAAAAAAzMzMAAAAAABQAAAAUAAAAGQAAABkAAAAAAAAABcAAAAUAAAAAAAAAAAAAAD/fwAA/38AAAAAAAAJAAAABAAAAEKAujAeAAAAaAAAAAAAAAAAAAAAAAAAAAAAAAAAAAAAECcAABAnAAAAAAAAAAAAAAAAAAAAAAAAAAAAAAAAAAAAAAAAAAAAABQAAAAAAAAAwMD/AAAAAABkAAAAMgAAAAAAAABkAAAAAAAAAH9/fwAKAAAAIgAAABgAAAAAAAAAAAAAAAAAAAAAAAAAAAAAAAAAAAAkAAAAJAAAAAAAAAAHAAAAAAAAAAAAAAAAAAAAAAAAAAAAAAAAAAAAf39/ACUAAABYAAAAAAAAAAAAAAAAAAAAAAAAAAAAAAAAAAAAAAAAAAAAAAAAAAAAAAAAAAAAAAA/AAAAAAAAAKCGAQAAAAAAAAAAAAAAAAAMAAAAAQAAAAAAAAAAAAAAAAAAAB8AAABUAAAANEBQAP///wEAAAAAAAAAAAAAAAAAAAAAAAAAAAAAAAAAAAAAAAAAAP///wF/f38A5+bmA8zMzADAwP8Af39/AAAAAAAAAAAAAAAAAAAAAAAAAAAAIQAAABgAAAAUAAAAAAAAAAAAAAD/SgAALyoAABAAAAAmAAAACAAAAP//////////"/>
+                <pr:smNativeData xmlns:mc="http://schemas.openxmlformats.org/markup-compatibility/2006" xmlns:p14="http://schemas.microsoft.com/office/powerpoint/2010/main" xmlns:p15="http://schemas.microsoft.com/office/powerpoint/2012/main" xmlns:pr="smNativeData" xmlns="smNativeData" val="SMDATA_15_q5OGZBMAAAAlAAAAqgAAAA0AAAAAkAAAAEgAAACQAAAASAAAAAAAAAAAAAAAAAAAAAEAAABQAAAAda9fBcX/xz8AAAAAAADgPwAAAAAAAOA/AAAAAAAA4D8AAAAAAADgPwAAAAAAAOA/AAAAAAAA4D8AAAAAAADgPwAAAAAAAOA/AAAAAAAA4D8CAAAAjAAAAAEAAAAAAAAANEBQAP///wgAAAAAAAAAAAAAAAAAAAAAAAAAAAAAAAAAAAAAZAAAAAEAAABAAAAAAAAAAAAAAAAAAAAAAAAAAAAAAAAAAAAAAAAAAAAAAAAAAAAAAAAAAAAAAAAAAAAAAAAAAAAAAAAAAAAAAAAAAAAAAAAAAAAAAAAAAAAAAAAAAAAAFAAAADwAAAABAAAAAAAAAP///wgoAAAAAQAAABQAAAAUAAAAFAAAAAEAAAAAAAAAZAAAAGQAAAAAAAAAZAAAAGQAAAAVAAAAYAAAAAAAAAAAAAAADwAAACADAAAAAAAAAAAAAAEAAACgMgAAVgcAAKr4//8BAAAAf39/AAEAAABkAAAAAAAAABQAAABAHwAAAAAAACYAAAAAAAAAwOD//wAAAAAmAAAAZAAAABYAAABMAAAAAAAAAAAAAAAEAAAAAAAAAAEAAADn5uYKAAAAACgAAAAoAAAAZAAAAGQAAAAAAAAAzMzMAAAAAABQAAAAUAAAAGQAAABkAAAAAAAAABcAAAAUAAAAAAAAAAAAAAD/fwAA/38AAAAAAAAJAAAABAAAAEKAujAeAAAAaAAAAAAAAAAAAAAAAAAAAAAAAAAAAAAAECcAABAnAAAAAAAAAAAAAAAAAAAAAAAAAAAAAAAAAAAAAAAAAAAAABQAAAAAAAAAwMD/AAAAAABkAAAAMgAAAAAAAABkAAAAAAAAAH9/fwAKAAAAIgAAABgAAAAAAAAAAAAAAAAAAAAAAAAAAAAAAAAAAAAkAAAAJAAAAAAAAAAHAAAAAAAAAAAAAAAAAAAAAAAAAAAAAAAAAAAAf39/ACUAAABYAAAAAAAAAAAAAAAAAAAAAAAAAAAAAAAAAAAAAAAAAAAAAAAAAAAAAAAAAAAAAAA/AAAAAAAAAKCGAQAAAAAAAAAAAAAAAAAMAAAAAQAAAAAAAAAAAAAAAAAAAB8AAABUAAAANEBQAP///wEAAAAAAAAAAAAAAAAAAAAAAAAAAAAAAAAAAAAAAAAAAP///wF/f38A5+bmA8zMzADAwP8Af39/AAAAAAAAAAAAAAAAAAAAAAAAAAAAIQAAABgAAAAUAAAAAAAAAAAAAAD/SgAALyoAABAAAAAmAAAACAAAAP//////////"/>
               </a:ext>
             </a:extLst>
           </p:cNvSpPr>
@@ -11522,7 +11525,7 @@
           <p:cNvSpPr>
             <a:extLst>
               <a:ext uri="smNativeData">
-                <pr:smNativeData xmlns="smNativeData" xmlns:pr="smNativeData" xmlns:p15="http://schemas.microsoft.com/office/powerpoint/2012/main" xmlns:p14="http://schemas.microsoft.com/office/powerpoint/2010/main" xmlns:mc="http://schemas.openxmlformats.org/markup-compatibility/2006" val="SMDATA_15_q5OGZBMAAAAlAAAAZAAAAE0AAAAAjgAAAEcAAACOAAAARwAAAAAAAAAAAAAAAAAAAAEAAABQAAAAAAAAAAAA4D8AAAAAAADgPwAAAAAAAOA/AAAAAAAA4D8AAAAAAADgPwAAAAAAAOA/AAAAAAAA4D8AAAAAAADgPwAAAAAAAOA/AAAAAAAA4D8CAAAAjAAAAAAAAAAAAAAARHLEDP///wgAAAAAAAAAAAAAAAAAAAAAAAAAAAAAAAAAAAAAZAAAAAEAAABAAAAAAAAAAAAAAAAAAAAAAAAAAAAAAAAAAAAAAAAAAAAAAAAAAAAAAAAAAAAAAAAAAAAAAAAAAAAAAAAAAAAAAAAAAAAAAAAAAAAAAAAAAAAAAAAAAAAAFAAAADwAAAAAAAAAAAAAAAAAAAkUAAAAAQAAABQAAAAUAAAAFAAAAAEAAAAAAAAAZAAAAGQAAAAAAAAAZAAAAGQAAAAVAAAAYAAAAAAAAAAAAAAADwAAACADAAAAAAAAAAAAAAEAAACgMgAAVgcAAKr4//8BAAAAf39/AAEAAABkAAAAAAAAABQAAABAHwAAAAAAACYAAAAAAAAAwOD//wAAAAAmAAAAZAAAABYAAABMAAAAAAAAAAAAAAAEAAAAAAAAAAEAAADn5uYKAAAAACgAAAAoAAAAZAAAAGQAAAAAAAAAzMzMAAAAAABQAAAAUAAAAGQAAABkAAAAAAAAABcAAAAUAAAAAAAAAAAAAAD/fwAA/38AAAAAAAAJAAAABAAAAE6pUjYeAAAAaAAAAAAAAAAAAAAAAAAAAAAAAAAAAAAAECcAABAnAAAAAAAAAAAAAAAAAAAAAAAAAAAAAAAAAAAAAAAAAAAAABQAAAAAAAAAwMD/AAAAAABkAAAAMgAAAAAAAABkAAAAAAAAAH9/fwAKAAAAIgAAABgAAAAAAAAAAAAAAAAAAAAAAAAAAAAAAAAAAAAkAAAAJAAAAAAAAAAHAAAAAAAAAAAAAAAAAAAAAAAAAAAAAAAAAAAAf39/ACUAAABYAAAAAAAAAAAAAAAAAAAAAAAAAAAAAAAAAAAAAAAAAAAAAAAAAAAAAAAAAAAAAAA/AAAAAAAAAKCGAQAAAAAAAAAAAAAAAAAMAAAAAQAAAAAAAAAAAAAAAAAAAB8AAABUAAAARHLEBf///wEAAAAAAAAAAAAAAAAAAAAAAAAAAAAAAAAAAAAAAAAAAAAAAAJ/f38A5+bmA8zMzADAwP8Af39/AAAAAAAAAAAAAAAAAAAAAAAAAAAAIQAAABgAAAAUAAAA2AEAADYJAAAfKAAAoiYAABAgAAAmAAAACAAAAP//////////"/>
+                <pr:smNativeData xmlns:mc="http://schemas.openxmlformats.org/markup-compatibility/2006" xmlns:p14="http://schemas.microsoft.com/office/powerpoint/2010/main" xmlns:p15="http://schemas.microsoft.com/office/powerpoint/2012/main" xmlns:pr="smNativeData" xmlns="smNativeData" val="SMDATA_15_q5OGZBMAAAAlAAAAZAAAAE0AAAAAjgAAAEcAAACOAAAARwAAAAAAAAAAAAAAAAAAAAEAAABQAAAAAAAAAAAA4D8AAAAAAADgPwAAAAAAAOA/AAAAAAAA4D8AAAAAAADgPwAAAAAAAOA/AAAAAAAA4D8AAAAAAADgPwAAAAAAAOA/AAAAAAAA4D8CAAAAjAAAAAAAAAAAAAAARHLEDP///wgAAAAAAAAAAAAAAAAAAAAAAAAAAAAAAAAAAAAAZAAAAAEAAABAAAAAAAAAAAAAAAAAAAAAAAAAAAAAAAAAAAAAAAAAAAAAAAAAAAAAAAAAAAAAAAAAAAAAAAAAAAAAAAAAAAAAAAAAAAAAAAAAAAAAAAAAAAAAAAAAAAAAFAAAADwAAAAAAAAAAAAAAAAAAAkUAAAAAQAAABQAAAAUAAAAFAAAAAEAAAAAAAAAZAAAAGQAAAAAAAAAZAAAAGQAAAAVAAAAYAAAAAAAAAAAAAAADwAAACADAAAAAAAAAAAAAAEAAACgMgAAVgcAAKr4//8BAAAAf39/AAEAAABkAAAAAAAAABQAAABAHwAAAAAAACYAAAAAAAAAwOD//wAAAAAmAAAAZAAAABYAAABMAAAAAAAAAAAAAAAEAAAAAAAAAAEAAADn5uYKAAAAACgAAAAoAAAAZAAAAGQAAAAAAAAAzMzMAAAAAABQAAAAUAAAAGQAAABkAAAAAAAAABcAAAAUAAAAAAAAAAAAAAD/fwAA/38AAAAAAAAJAAAABAAAAE6pUjYeAAAAaAAAAAAAAAAAAAAAAAAAAAAAAAAAAAAAECcAABAnAAAAAAAAAAAAAAAAAAAAAAAAAAAAAAAAAAAAAAAAAAAAABQAAAAAAAAAwMD/AAAAAABkAAAAMgAAAAAAAABkAAAAAAAAAH9/fwAKAAAAIgAAABgAAAAAAAAAAAAAAAAAAAAAAAAAAAAAAAAAAAAkAAAAJAAAAAAAAAAHAAAAAAAAAAAAAAAAAAAAAAAAAAAAAAAAAAAAf39/ACUAAABYAAAAAAAAAAAAAAAAAAAAAAAAAAAAAAAAAAAAAAAAAAAAAAAAAAAAAAAAAAAAAAA/AAAAAAAAAKCGAQAAAAAAAAAAAAAAAAAMAAAAAQAAAAAAAAAAAAAAAAAAAB8AAABUAAAARHLEBf///wEAAAAAAAAAAAAAAAAAAAAAAAAAAAAAAAAAAAAAAAAAAAAAAAJ/f38A5+bmA8zMzADAwP8Af39/AAAAAAAAAAAAAAAAAAAAAAAAAAAAIQAAABgAAAAUAAAA2AEAADYJAAAfKAAAoiYAABAgAAAmAAAACAAAAP//////////"/>
               </a:ext>
             </a:extLst>
           </p:cNvSpPr>
@@ -11577,7 +11580,7 @@
           <p:cNvPicPr>
             <a:extLst>
               <a:ext uri="smNativeData">
-                <pr:smNativeData xmlns="smNativeData" xmlns:pr="smNativeData" xmlns:p15="http://schemas.microsoft.com/office/powerpoint/2012/main" xmlns:p14="http://schemas.microsoft.com/office/powerpoint/2010/main" xmlns:mc="http://schemas.openxmlformats.org/markup-compatibility/2006" val="SMDATA_17_q5OGZBMAAAAlAAAAEQAAAA0AAAAAkAAAAEgAAACQAAAASAAAAAAAAAAAAAAAAAAAAAEAAABQAAAAAAAAAAAA4D8AAAAAAADgPwAAAAAAAOA/AAAAAAAA4D8AAAAAAADgPwAAAAAAAOA/AAAAAAAA4D8AAAAAAADgPwAAAAAAAOA/AAAAAAAA4D8CAAAAjAAAAAAAAAAAAAAARHLEDP///wgAAAAAAAAAAAAAAAAAAAAAAAAAAAAAAAAAAAAAZAAAAAEAAABAAAAAAAAAAAAAAAAAAAAAAAAAAAAAAAAAAAAAAAAAAAAAAAAAAAAAAAAAAAAAAAAAAAAAAAAAAAAAAAAAAAAAAAAAAAAAAAAAAAAAAAAAAAAAAAAAAAAAFAAAADwAAAAAAAAAAAAAAAAAAAkUAAAAAQAAABQAAAAUAAAAFAAAAAEAAAAAAAAAZAAAAGQAAAAAAAAAZAAAAGQAAAAVAAAAYAAAAAAAAAAAAAAADwAAACADAAAAAAAAAAAAAAEAAACgMgAAVgcAAKr4//8BAAAAf39/AAEAAABkAAAAAAAAABQAAABAHwAAAAAAACYAAAAAAAAAwOD//wAAAAAmAAAAZAAAABYAAABMAAAAAAAAAAAAAAAEAAAAAAAAAAEAAADn5uYKAAAAACgAAAAoAAAAZAAAAGQAAAAAAAAAzMzMAAAAAABQAAAAUAAAAGQAAABkAAAAAAAAAAcAAAA4AAAAAAAAAAAAAAAAAAAA////AAAAAAAAAAAAAAAAAAAAAAAAAAAAAAAAAAAAAABkAAAAZAAAAAAAAAAjAAAABAAAAGQAAAAXAAAAFAAAAAAAAAAAAAAA/38AAP9/AAAAAAAACQAAAAQAAAAJAAAAHgAAAGgAAAAAAAAAAAAAAAAAAAAAAAAAAAAAABAnAAAQJwAAAAAAAAAAAAAAAAAAAAAAAAAAAAAAAAAAAAAAAAAAAAAUAAAAAAAAAMDA/wAAAAAAZAAAADIAAAAAAAAAZAAAAAAAAAB/f38ACgAAACIAAAAYAAAAAAAAAAAAAAAAAAAAAAAAAAAAAAAAAAAAJAAAACQAAAAAAAAABwAAAAAAAAAAAAAAAAAAAAAAAAAAAAAAAAAAAH9/fwAlAAAAWAAAAAAAAAAAAAAAAAAAAAAAAAAAAAAAAAAAAAAAAAAAAAAAAAAAAAAAAAAAAAAAPwAAAAAAAACghgEAAAAAAAAAAAAAAAAADAAAAAEAAAAAAAAAAAAAAAAAAAAfAAAAVAAAAERyxAX///8BAAAAAAAAAAAAAAAAAAAAAAAAAAAAAAAAAAAAAAAAAAAAAAACf39/AOfm5gPMzMwAwMD/AH9/fwAAAAAAAAAAAAAAAAD///8AAAAAACEAAAAYAAAAFAAAACAoAACJCwAAHkoAAKceAAAQAAAAJgAAAAgAAAD//////////w=="/>
+                <pr:smNativeData xmlns:mc="http://schemas.openxmlformats.org/markup-compatibility/2006" xmlns:p14="http://schemas.microsoft.com/office/powerpoint/2010/main" xmlns:p15="http://schemas.microsoft.com/office/powerpoint/2012/main" xmlns:pr="smNativeData" xmlns="smNativeData" val="SMDATA_17_q5OGZBMAAAAlAAAAEQAAAA0AAAAAkAAAAEgAAACQAAAASAAAAAAAAAAAAAAAAAAAAAEAAABQAAAAAAAAAAAA4D8AAAAAAADgPwAAAAAAAOA/AAAAAAAA4D8AAAAAAADgPwAAAAAAAOA/AAAAAAAA4D8AAAAAAADgPwAAAAAAAOA/AAAAAAAA4D8CAAAAjAAAAAAAAAAAAAAARHLEDP///wgAAAAAAAAAAAAAAAAAAAAAAAAAAAAAAAAAAAAAZAAAAAEAAABAAAAAAAAAAAAAAAAAAAAAAAAAAAAAAAAAAAAAAAAAAAAAAAAAAAAAAAAAAAAAAAAAAAAAAAAAAAAAAAAAAAAAAAAAAAAAAAAAAAAAAAAAAAAAAAAAAAAAFAAAADwAAAAAAAAAAAAAAAAAAAkUAAAAAQAAABQAAAAUAAAAFAAAAAEAAAAAAAAAZAAAAGQAAAAAAAAAZAAAAGQAAAAVAAAAYAAAAAAAAAAAAAAADwAAACADAAAAAAAAAAAAAAEAAACgMgAAVgcAAKr4//8BAAAAf39/AAEAAABkAAAAAAAAABQAAABAHwAAAAAAACYAAAAAAAAAwOD//wAAAAAmAAAAZAAAABYAAABMAAAAAAAAAAAAAAAEAAAAAAAAAAEAAADn5uYKAAAAACgAAAAoAAAAZAAAAGQAAAAAAAAAzMzMAAAAAABQAAAAUAAAAGQAAABkAAAAAAAAAAcAAAA4AAAAAAAAAAAAAAAAAAAA////AAAAAAAAAAAAAAAAAAAAAAAAAAAAAAAAAAAAAABkAAAAZAAAAAAAAAAjAAAABAAAAGQAAAAXAAAAFAAAAAAAAAAAAAAA/38AAP9/AAAAAAAACQAAAAQAAAAJAAAAHgAAAGgAAAAAAAAAAAAAAAAAAAAAAAAAAAAAABAnAAAQJwAAAAAAAAAAAAAAAAAAAAAAAAAAAAAAAAAAAAAAAAAAAAAUAAAAAAAAAMDA/wAAAAAAZAAAADIAAAAAAAAAZAAAAAAAAAB/f38ACgAAACIAAAAYAAAAAAAAAAAAAAAAAAAAAAAAAAAAAAAAAAAAJAAAACQAAAAAAAAABwAAAAAAAAAAAAAAAAAAAAAAAAAAAAAAAAAAAH9/fwAlAAAAWAAAAAAAAAAAAAAAAAAAAAAAAAAAAAAAAAAAAAAAAAAAAAAAAAAAAAAAAAAAAAAAPwAAAAAAAACghgEAAAAAAAAAAAAAAAAADAAAAAEAAAAAAAAAAAAAAAAAAAAfAAAAVAAAAERyxAX///8BAAAAAAAAAAAAAAAAAAAAAAAAAAAAAAAAAAAAAAAAAAAAAAACf39/AOfm5gPMzMwAwMD/AH9/fwAAAAAAAAAAAAAAAAD///8AAAAAACEAAAAYAAAAFAAAACAoAACJCwAAHkoAAKceAAAQAAAAJgAAAAgAAAD//////////w=="/>
               </a:ext>
             </a:extLst>
           </p:cNvPicPr>
@@ -11610,7 +11613,7 @@
           <p:cNvSpPr>
             <a:extLst>
               <a:ext uri="smNativeData">
-                <pr:smNativeData xmlns="smNativeData" xmlns:pr="smNativeData" xmlns:p15="http://schemas.microsoft.com/office/powerpoint/2012/main" xmlns:p14="http://schemas.microsoft.com/office/powerpoint/2010/main" xmlns:mc="http://schemas.openxmlformats.org/markup-compatibility/2006" val="SMDATA_15_q5OGZBMAAAAlAAAAZAAAAA0AAAAAjgAAAEcAAACOAAAARwAAAAAAAAABAAAAAAAAAAEAAABQAAAAAAAAAAAA4D8AAAAAAADgPwAAAAAAAOA/AAAAAAAA4D8AAAAAAADgPwAAAAAAAOA/AAAAAAAA4D8AAAAAAADgPwAAAAAAAOA/AAAAAAAA4D8CAAAAjAAAAAEAAAAAAAAAIis1AP///wgAAAAAAAAAAAAAAAAAAAAAAAAAAAAAAAAAAAAAZAAAAAEAAABAAAAAAAAAAAAAAAAAAAAAAAAAAAAAAAAAAAAAAAAAAAAAAAAAAAAAAAAAAAAAAAAAAAAAAAAAAAAAAAAAAAAAAAAAAAAAAAAAAAAAAAAAAAAAAAAAAAAAFAAAADwAAAABAAAAAAAAAOfm5gooAAAAAQAAABQAAAAUAAAAFAAAAAEAAAAAAAAAZAAAAGQAAAAAAAAAZAAAAGQAAAAVAAAAYAAAAAAAAAAAAAAADwAAACADAAAAAAAAAAAAAAEAAACgMgAAVgcAAKr4//8BAAAAf39/AAEAAABkAAAAAAAAABQAAABAHwAAAAAAACYAAAAAAAAAwOD//wAAAAAmAAAAZAAAABYAAABMAAAAAAAAAAAAAAAEAAAAAAAAAAEAAADn5uYKAAAAACgAAAAoAAAAZAAAAGQAAAAAAAAAzMzMAAAAAABQAAAAUAAAAGQAAABkAAAAAAAAABcAAAAUAAAAAAAAAAAAAAD/fwAA/38AAAAAAAAJAAAABAAAAF8AYAAeAAAAaAAAAAAAAAAAAAAAAAAAAAAAAAAAAAAAECcAABAnAAAAAAAAAAAAAAAAAAAAAAAAAAAAAAAAAAAAAAAAAAAAABQAAAAAAAAAwMD/AAAAAABkAAAAMgAAAAAAAABkAAAAAAAAAH9/fwAKAAAAIgAAABgAAAAAAAAAAAAAAAAAAAAAAAAAAAAAAAAAAAAkAAAAJAAAAAAAAAAHAAAAAAAAAAAAAAAAAAAAAAAAAAAAAAAAAAAAf39/ACUAAABYAAAAAAAAAAAAAAAAAAAAAAAAAAAAAAAAAAAAAAAAAAAAAAAAAAAAAAAAAAAAAAA/AAAAAAAAAKCGAQAAAAAAAAAAAAAAAAAMAAAAAQAAAAAAAAAAAAAAAAAAAB8AAABUAAAAIis1AP///wEAAAAAAAAAAAAAAAAAAAAAAAAAAAAAAAAAAAAAAAAAAOfm5gN/f38A5+bmA8zMzADAwP8Af39/AAAAAAAAAAAAAAAAAAAAAAAAAAAAIQAAABgAAAAUAAAAQhQAAEkBAAC9NgAA6QYAABAAAAAmAAAACAAAAP//////////"/>
+                <pr:smNativeData xmlns:mc="http://schemas.openxmlformats.org/markup-compatibility/2006" xmlns:p14="http://schemas.microsoft.com/office/powerpoint/2010/main" xmlns:p15="http://schemas.microsoft.com/office/powerpoint/2012/main" xmlns:pr="smNativeData" xmlns="smNativeData" val="SMDATA_15_q5OGZBMAAAAlAAAAZAAAAA0AAAAAjgAAAEcAAACOAAAARwAAAAAAAAABAAAAAAAAAAEAAABQAAAAAAAAAAAA4D8AAAAAAADgPwAAAAAAAOA/AAAAAAAA4D8AAAAAAADgPwAAAAAAAOA/AAAAAAAA4D8AAAAAAADgPwAAAAAAAOA/AAAAAAAA4D8CAAAAjAAAAAEAAAAAAAAAIis1AP///wgAAAAAAAAAAAAAAAAAAAAAAAAAAAAAAAAAAAAAZAAAAAEAAABAAAAAAAAAAAAAAAAAAAAAAAAAAAAAAAAAAAAAAAAAAAAAAAAAAAAAAAAAAAAAAAAAAAAAAAAAAAAAAAAAAAAAAAAAAAAAAAAAAAAAAAAAAAAAAAAAAAAAFAAAADwAAAABAAAAAAAAAOfm5gooAAAAAQAAABQAAAAUAAAAFAAAAAEAAAAAAAAAZAAAAGQAAAAAAAAAZAAAAGQAAAAVAAAAYAAAAAAAAAAAAAAADwAAACADAAAAAAAAAAAAAAEAAACgMgAAVgcAAKr4//8BAAAAf39/AAEAAABkAAAAAAAAABQAAABAHwAAAAAAACYAAAAAAAAAwOD//wAAAAAmAAAAZAAAABYAAABMAAAAAAAAAAAAAAAEAAAAAAAAAAEAAADn5uYKAAAAACgAAAAoAAAAZAAAAGQAAAAAAAAAzMzMAAAAAABQAAAAUAAAAGQAAABkAAAAAAAAABcAAAAUAAAAAAAAAAAAAAD/fwAA/38AAAAAAAAJAAAABAAAAF8AYAAeAAAAaAAAAAAAAAAAAAAAAAAAAAAAAAAAAAAAECcAABAnAAAAAAAAAAAAAAAAAAAAAAAAAAAAAAAAAAAAAAAAAAAAABQAAAAAAAAAwMD/AAAAAABkAAAAMgAAAAAAAABkAAAAAAAAAH9/fwAKAAAAIgAAABgAAAAAAAAAAAAAAAAAAAAAAAAAAAAAAAAAAAAkAAAAJAAAAAAAAAAHAAAAAAAAAAAAAAAAAAAAAAAAAAAAAAAAAAAAf39/ACUAAABYAAAAAAAAAAAAAAAAAAAAAAAAAAAAAAAAAAAAAAAAAAAAAAAAAAAAAAAAAAAAAAA/AAAAAAAAAKCGAQAAAAAAAAAAAAAAAAAMAAAAAQAAAAAAAAAAAAAAAAAAAB8AAABUAAAAIis1AP///wEAAAAAAAAAAAAAAAAAAAAAAAAAAAAAAAAAAAAAAAAAAOfm5gN/f38A5+bmA8zMzADAwP8Af39/AAAAAAAAAAAAAAAAAAAAAAAAAAAAIQAAABgAAAAUAAAAQhQAAEkBAAC9NgAA6QYAABAAAAAmAAAACAAAAP//////////"/>
               </a:ext>
             </a:extLst>
           </p:cNvSpPr>
@@ -11705,7 +11708,7 @@
           <p:cNvSpPr>
             <a:extLst>
               <a:ext uri="smNativeData">
-                <pr:smNativeData xmlns="smNativeData" xmlns:pr="smNativeData" xmlns:p15="http://schemas.microsoft.com/office/powerpoint/2012/main" xmlns:p14="http://schemas.microsoft.com/office/powerpoint/2010/main" xmlns:mc="http://schemas.openxmlformats.org/markup-compatibility/2006" val="SMDATA_15_q5OGZBMAAAAlAAAAZAAAAA0AAAAAkAAAAEgAAACQAAAASAAAAAAAAAAAAAAAAAAAAAEAAABQAAAAAAAAAAAA4D8AAAAAAADgPwAAAAAAAOA/AAAAAAAA4D8AAAAAAADgPwAAAAAAAOA/AAAAAAAA4D8AAAAAAADgPwAAAAAAAOA/AAAAAAAA4D8CAAAAjAAAAAAAAAAAAAAARHLEDP///wgAAAAAAAAAAAAAAAAAAAAAAAAAAAAAAAAAAAAAZAAAAAEAAABAAAAAAAAAAAAAAAAAAAAAAAAAAAAAAAAAAAAAAAAAAAAAAAAAAAAAAAAAAAAAAAAAAAAAAAAAAAAAAAAAAAAAAAAAAAAAAAAAAAAAAAAAAAAAAAAAAAAAFAAAADwAAAAAAAAAAAAAAAAAAAkUAAAAAQAAABQAAAAUAAAAFAAAAAEAAAAAAAAAZAAAAGQAAAAAAAAAZAAAAGQAAAAVAAAAYAAAAAAAAAAAAAAADwAAACADAAAAAAAAAAAAAAEAAACgMgAAVgcAAKr4//8BAAAAf39/AAEAAABkAAAAAAAAABQAAABAHwAAAAAAACYAAAAAAAAAwOD//wAAAAAmAAAAZAAAABYAAABMAAAAAAAAAAAAAAAEAAAAAAAAAAEAAADn5uYKAAAAACgAAAAoAAAAZAAAAGQAAAAAAAAAzMzMAAAAAABQAAAAUAAAAGQAAABkAAAAAAAAABcAAAAUAAAAAAAAAAAAAAD/fwAA/38AAAAAAAAJAAAABAAAADa1FtAeAAAAaAAAAAAAAAAAAAAAAAAAAAAAAAAAAAAAECcAABAnAAAAAAAAAAAAAAAAAAAAAAAAAAAAAAAAAAAAAAAAAAAAABQAAAAAAAAAwMD/AAAAAABkAAAAMgAAAAAAAABkAAAAAAAAAH9/fwAKAAAAIgAAABgAAAAAAAAAAAAAAAAAAAAAAAAAAAAAAAAAAAAkAAAAJAAAAAAAAAAHAAAAAAAAAAAAAAAAAAAAAAAAAAAAAAAAAAAAf39/ACUAAABYAAAAAAAAAAAAAAAAAAAAAAAAAAAAAAAAAAAAAAAAAAAAAAAAAAAAAAAAAAAAAAA/AAAAAAAAAKCGAQAAAAAAAAAAAAAAAAAMAAAAAQAAAAAAAAAAAAAAAAAAAB8AAABUAAAARHLEBf///wEAAAAAAAAAAAAAAAAAAAAAAAAAAAAAAAAAAAAAAAAAAAAAAAJ/f38A5+bmA8zMzADAwP8Af39/AAAAAAAAAAAAAAAAAAAAAAAAAAAAIQAAABgAAAAUAAAAKAUAAD8CAADXRQAAZQoAABAAAAAmAAAACAAAAP//////////"/>
+                <pr:smNativeData xmlns:mc="http://schemas.openxmlformats.org/markup-compatibility/2006" xmlns:p14="http://schemas.microsoft.com/office/powerpoint/2010/main" xmlns:p15="http://schemas.microsoft.com/office/powerpoint/2012/main" xmlns:pr="smNativeData" xmlns="smNativeData" val="SMDATA_15_q5OGZBMAAAAlAAAAZAAAAA0AAAAAkAAAAEgAAACQAAAASAAAAAAAAAAAAAAAAAAAAAEAAABQAAAAAAAAAAAA4D8AAAAAAADgPwAAAAAAAOA/AAAAAAAA4D8AAAAAAADgPwAAAAAAAOA/AAAAAAAA4D8AAAAAAADgPwAAAAAAAOA/AAAAAAAA4D8CAAAAjAAAAAAAAAAAAAAARHLEDP///wgAAAAAAAAAAAAAAAAAAAAAAAAAAAAAAAAAAAAAZAAAAAEAAABAAAAAAAAAAAAAAAAAAAAAAAAAAAAAAAAAAAAAAAAAAAAAAAAAAAAAAAAAAAAAAAAAAAAAAAAAAAAAAAAAAAAAAAAAAAAAAAAAAAAAAAAAAAAAAAAAAAAAFAAAADwAAAAAAAAAAAAAAAAAAAkUAAAAAQAAABQAAAAUAAAAFAAAAAEAAAAAAAAAZAAAAGQAAAAAAAAAZAAAAGQAAAAVAAAAYAAAAAAAAAAAAAAADwAAACADAAAAAAAAAAAAAAEAAACgMgAAVgcAAKr4//8BAAAAf39/AAEAAABkAAAAAAAAABQAAABAHwAAAAAAACYAAAAAAAAAwOD//wAAAAAmAAAAZAAAABYAAABMAAAAAAAAAAAAAAAEAAAAAAAAAAEAAADn5uYKAAAAACgAAAAoAAAAZAAAAGQAAAAAAAAAzMzMAAAAAABQAAAAUAAAAGQAAABkAAAAAAAAABcAAAAUAAAAAAAAAAAAAAD/fwAA/38AAAAAAAAJAAAABAAAADa1FtAeAAAAaAAAAAAAAAAAAAAAAAAAAAAAAAAAAAAAECcAABAnAAAAAAAAAAAAAAAAAAAAAAAAAAAAAAAAAAAAAAAAAAAAABQAAAAAAAAAwMD/AAAAAABkAAAAMgAAAAAAAABkAAAAAAAAAH9/fwAKAAAAIgAAABgAAAAAAAAAAAAAAAAAAAAAAAAAAAAAAAAAAAAkAAAAJAAAAAAAAAAHAAAAAAAAAAAAAAAAAAAAAAAAAAAAAAAAAAAAf39/ACUAAABYAAAAAAAAAAAAAAAAAAAAAAAAAAAAAAAAAAAAAAAAAAAAAAAAAAAAAAAAAAAAAAA/AAAAAAAAAKCGAQAAAAAAAAAAAAAAAAAMAAAAAQAAAAAAAAAAAAAAAAAAAB8AAABUAAAARHLEBf///wEAAAAAAAAAAAAAAAAAAAAAAAAAAAAAAAAAAAAAAAAAAAAAAAJ/f38A5+bmA8zMzADAwP8Af39/AAAAAAAAAAAAAAAAAAAAAAAAAAAAIQAAABgAAAAUAAAAKAUAAD8CAADXRQAAZQoAABAAAAAmAAAACAAAAP//////////"/>
               </a:ext>
             </a:extLst>
           </p:cNvSpPr>
@@ -11732,7 +11735,7 @@
           <p:cNvSpPr>
             <a:extLst>
               <a:ext uri="smNativeData">
-                <pr:smNativeData xmlns="smNativeData" xmlns:pr="smNativeData" xmlns:p15="http://schemas.microsoft.com/office/powerpoint/2012/main" xmlns:p14="http://schemas.microsoft.com/office/powerpoint/2010/main" xmlns:mc="http://schemas.openxmlformats.org/markup-compatibility/2006" val="SMDATA_15_q5OGZBMAAAAlAAAAqgAAAA0AAAAAkAAAAEgAAACQAAAASAAAAAAAAAAAAAAAAAAAAAEAAABQAAAAda9fBcX/xz8AAAAAAADgPwAAAAAAAOA/AAAAAAAA4D8AAAAAAADgPwAAAAAAAOA/AAAAAAAA4D8AAAAAAADgPwAAAAAAAOA/AAAAAAAA4D8CAAAAjAAAAAEAAAAAAAAANEBQAP///wgAAAAAAAAAAAAAAAAAAAAAAAAAAAAAAAAAAAAAZAAAAAEAAABAAAAAAAAAAAAAAAAAAAAAAAAAAAAAAAAAAAAAAAAAAAAAAAAAAAAAAAAAAAAAAAAAAAAAAAAAAAAAAAAAAAAAAAAAAAAAAAAAAAAAAAAAAAAAAAAAAAAAFAAAADwAAAABAAAAAAAAAP///wgoAAAAAQAAABQAAAAUAAAAFAAAAAEAAAAAAAAAZAAAAGQAAAAAAAAAZAAAAGQAAAAVAAAAYAAAAAAAAAAAAAAADwAAACADAAAAAAAAAAAAAAEAAACgMgAAVgcAAKr4//8BAAAAf39/AAEAAABkAAAAAAAAABQAAABAHwAAAAAAACYAAAAAAAAAwOD//wAAAAAmAAAAZAAAABYAAABMAAAAAAAAAAAAAAAEAAAAAAAAAAEAAADn5uYKAAAAACgAAAAoAAAAZAAAAGQAAAAAAAAAzMzMAAAAAABQAAAAUAAAAGQAAABkAAAAAAAAABcAAAAUAAAAAAAAAAAAAAD/fwAA/38AAAAAAAAJAAAABAAAABUWFhgeAAAAaAAAAAAAAAAAAAAAAAAAAAAAAAAAAAAAECcAABAnAAAAAAAAAAAAAAAAAAAAAAAAAAAAAAAAAAAAAAAAAAAAABQAAAAAAAAAwMD/AAAAAABkAAAAMgAAAAAAAABkAAAAAAAAAH9/fwAKAAAAIgAAABgAAAAAAAAAAAAAAAAAAAAAAAAAAAAAAAAAAAAkAAAAJAAAAAAAAAAHAAAAAAAAAAAAAAAAAAAAAAAAAAAAAAAAAAAAf39/ACUAAABYAAAAAAAAAAAAAAAAAAAAAAAAAAAAAAAAAAAAAAAAAAAAAAAAAAAAAAAAAAAAAAA/AAAAAAAAAKCGAQAAAAAAAAAAAAAAAAAMAAAAAQAAAAAAAAAAAAAAAAAAAB8AAABUAAAANEBQAP///wEAAAAAAAAAAAAAAAAAAAAAAAAAAAAAAAAAAAAAAAAAAP///wF/f38A5+bmA8zMzADAwP8Af39/AAAAAAAAAAAAAAAAAAAAAAAAAAAAIQAAABgAAAAUAAAAAAAAAAAAAAD/SgAALyoAABAAAAAmAAAACAAAAP//////////"/>
+                <pr:smNativeData xmlns:mc="http://schemas.openxmlformats.org/markup-compatibility/2006" xmlns:p14="http://schemas.microsoft.com/office/powerpoint/2010/main" xmlns:p15="http://schemas.microsoft.com/office/powerpoint/2012/main" xmlns:pr="smNativeData" xmlns="smNativeData" val="SMDATA_15_q5OGZBMAAAAlAAAAqgAAAA0AAAAAkAAAAEgAAACQAAAASAAAAAAAAAAAAAAAAAAAAAEAAABQAAAAda9fBcX/xz8AAAAAAADgPwAAAAAAAOA/AAAAAAAA4D8AAAAAAADgPwAAAAAAAOA/AAAAAAAA4D8AAAAAAADgPwAAAAAAAOA/AAAAAAAA4D8CAAAAjAAAAAEAAAAAAAAANEBQAP///wgAAAAAAAAAAAAAAAAAAAAAAAAAAAAAAAAAAAAAZAAAAAEAAABAAAAAAAAAAAAAAAAAAAAAAAAAAAAAAAAAAAAAAAAAAAAAAAAAAAAAAAAAAAAAAAAAAAAAAAAAAAAAAAAAAAAAAAAAAAAAAAAAAAAAAAAAAAAAAAAAAAAAFAAAADwAAAABAAAAAAAAAP///wgoAAAAAQAAABQAAAAUAAAAFAAAAAEAAAAAAAAAZAAAAGQAAAAAAAAAZAAAAGQAAAAVAAAAYAAAAAAAAAAAAAAADwAAACADAAAAAAAAAAAAAAEAAACgMgAAVgcAAKr4//8BAAAAf39/AAEAAABkAAAAAAAAABQAAABAHwAAAAAAACYAAAAAAAAAwOD//wAAAAAmAAAAZAAAABYAAABMAAAAAAAAAAAAAAAEAAAAAAAAAAEAAADn5uYKAAAAACgAAAAoAAAAZAAAAGQAAAAAAAAAzMzMAAAAAABQAAAAUAAAAGQAAABkAAAAAAAAABcAAAAUAAAAAAAAAAAAAAD/fwAA/38AAAAAAAAJAAAABAAAABUWFhgeAAAAaAAAAAAAAAAAAAAAAAAAAAAAAAAAAAAAECcAABAnAAAAAAAAAAAAAAAAAAAAAAAAAAAAAAAAAAAAAAAAAAAAABQAAAAAAAAAwMD/AAAAAABkAAAAMgAAAAAAAABkAAAAAAAAAH9/fwAKAAAAIgAAABgAAAAAAAAAAAAAAAAAAAAAAAAAAAAAAAAAAAAkAAAAJAAAAAAAAAAHAAAAAAAAAAAAAAAAAAAAAAAAAAAAAAAAAAAAf39/ACUAAABYAAAAAAAAAAAAAAAAAAAAAAAAAAAAAAAAAAAAAAAAAAAAAAAAAAAAAAAAAAAAAAA/AAAAAAAAAKCGAQAAAAAAAAAAAAAAAAAMAAAAAQAAAAAAAAAAAAAAAAAAAB8AAABUAAAANEBQAP///wEAAAAAAAAAAAAAAAAAAAAAAAAAAAAAAAAAAAAAAAAAAP///wF/f38A5+bmA8zMzADAwP8Af39/AAAAAAAAAAAAAAAAAAAAAAAAAAAAIQAAABgAAAAUAAAAAAAAAAAAAAD/SgAALyoAABAAAAAmAAAACAAAAP//////////"/>
               </a:ext>
             </a:extLst>
           </p:cNvSpPr>
@@ -11768,7 +11771,7 @@
           <p:cNvSpPr>
             <a:extLst>
               <a:ext uri="smNativeData">
-                <pr:smNativeData xmlns="smNativeData" xmlns:pr="smNativeData" xmlns:p15="http://schemas.microsoft.com/office/powerpoint/2012/main" xmlns:p14="http://schemas.microsoft.com/office/powerpoint/2010/main" xmlns:mc="http://schemas.openxmlformats.org/markup-compatibility/2006" val="SMDATA_15_q5OGZBMAAAAlAAAAZAAAAE0AAAAAjgAAAEcAAACOAAAARwAAAAAAAAAAAAAAAAAAAAEAAABQAAAAAAAAAAAA4D8AAAAAAADgPwAAAAAAAOA/AAAAAAAA4D8AAAAAAADgPwAAAAAAAOA/AAAAAAAA4D8AAAAAAADgPwAAAAAAAOA/AAAAAAAA4D8CAAAAjAAAAAAAAAAAAAAARHLEDP///wgAAAAAAAAAAAAAAAAAAAAAAAAAAAAAAAAAAAAAZAAAAAEAAABAAAAAAAAAAAAAAAAAAAAAAAAAAAAAAAAAAAAAAAAAAAAAAAAAAAAAAAAAAAAAAAAAAAAAAAAAAAAAAAAAAAAAAAAAAAAAAAAAAAAAAAAAAAAAAAAAAAAAFAAAADwAAAAAAAAAAAAAAAAAAAkUAAAAAQAAABQAAAAUAAAAFAAAAAEAAAAAAAAAZAAAAGQAAAAAAAAAZAAAAGQAAAAVAAAAYAAAAAAAAAAAAAAADwAAACADAAAAAAAAAAAAAAEAAACgMgAAVgcAAKr4//8BAAAAf39/AAEAAABkAAAAAAAAABQAAABAHwAAAAAAACYAAAAAAAAAwOD//wAAAAAmAAAAZAAAABYAAABMAAAAAAAAAAAAAAAEAAAAAAAAAAEAAADn5uYKAAAAACgAAAAoAAAAZAAAAGQAAAAAAAAAzMzMAAAAAABQAAAAUAAAAGQAAABkAAAAAAAAABcAAAAUAAAAAAAAAAAAAAD/fwAA/38AAAAAAAAJAAAABAAAAICAgIAeAAAAaAAAAAAAAAAAAAAAAAAAAAAAAAAAAAAAECcAABAnAAAAAAAAAAAAAAAAAAAAAAAAAAAAAAAAAAAAAAAAAAAAABQAAAAAAAAAwMD/AAAAAABkAAAAMgAAAAAAAABkAAAAAAAAAH9/fwAKAAAAIgAAABgAAAAAAAAAAAAAAAAAAAAAAAAAAAAAAAAAAAAkAAAAJAAAAAAAAAAHAAAAAAAAAAAAAAAAAAAAAAAAAAAAAAAAAAAAf39/ACUAAABYAAAAAAAAAAAAAAAAAAAAAAAAAAAAAAAAAAAAAAAAAAAAAAAAAAAAAAAAAAAAAAA/AAAAAAAAAKCGAQAAAAAAAAAAAAAAAAAMAAAAAQAAAAAAAAAAAAAAAAAAAB8AAABUAAAARHLEBf///wEAAAAAAAAAAAAAAAAAAAAAAAAAAAAAAAAAAAAAAAAAAAAAAAJ/f38A5+bmA8zMzADAwP8Af39/AAAAAAAAAAAAAAAAAAAAAAAAAAAAIQAAABgAAAAUAAAAJgEAAFMGAAAvKgAA7SkAABAgAAAmAAAACAAAAP//////////"/>
+                <pr:smNativeData xmlns:mc="http://schemas.openxmlformats.org/markup-compatibility/2006" xmlns:p14="http://schemas.microsoft.com/office/powerpoint/2010/main" xmlns:p15="http://schemas.microsoft.com/office/powerpoint/2012/main" xmlns:pr="smNativeData" xmlns="smNativeData" val="SMDATA_15_q5OGZBMAAAAlAAAAZAAAAE0AAAAAjgAAAEcAAACOAAAARwAAAAAAAAAAAAAAAAAAAAEAAABQAAAAAAAAAAAA4D8AAAAAAADgPwAAAAAAAOA/AAAAAAAA4D8AAAAAAADgPwAAAAAAAOA/AAAAAAAA4D8AAAAAAADgPwAAAAAAAOA/AAAAAAAA4D8CAAAAjAAAAAAAAAAAAAAARHLEDP///wgAAAAAAAAAAAAAAAAAAAAAAAAAAAAAAAAAAAAAZAAAAAEAAABAAAAAAAAAAAAAAAAAAAAAAAAAAAAAAAAAAAAAAAAAAAAAAAAAAAAAAAAAAAAAAAAAAAAAAAAAAAAAAAAAAAAAAAAAAAAAAAAAAAAAAAAAAAAAAAAAAAAAFAAAADwAAAAAAAAAAAAAAAAAAAkUAAAAAQAAABQAAAAUAAAAFAAAAAEAAAAAAAAAZAAAAGQAAAAAAAAAZAAAAGQAAAAVAAAAYAAAAAAAAAAAAAAADwAAACADAAAAAAAAAAAAAAEAAACgMgAAVgcAAKr4//8BAAAAf39/AAEAAABkAAAAAAAAABQAAABAHwAAAAAAACYAAAAAAAAAwOD//wAAAAAmAAAAZAAAABYAAABMAAAAAAAAAAAAAAAEAAAAAAAAAAEAAADn5uYKAAAAACgAAAAoAAAAZAAAAGQAAAAAAAAAzMzMAAAAAABQAAAAUAAAAGQAAABkAAAAAAAAABcAAAAUAAAAAAAAAAAAAAD/fwAA/38AAAAAAAAJAAAABAAAAICAgIAeAAAAaAAAAAAAAAAAAAAAAAAAAAAAAAAAAAAAECcAABAnAAAAAAAAAAAAAAAAAAAAAAAAAAAAAAAAAAAAAAAAAAAAABQAAAAAAAAAwMD/AAAAAABkAAAAMgAAAAAAAABkAAAAAAAAAH9/fwAKAAAAIgAAABgAAAAAAAAAAAAAAAAAAAAAAAAAAAAAAAAAAAAkAAAAJAAAAAAAAAAHAAAAAAAAAAAAAAAAAAAAAAAAAAAAAAAAAAAAf39/ACUAAABYAAAAAAAAAAAAAAAAAAAAAAAAAAAAAAAAAAAAAAAAAAAAAAAAAAAAAAAAAAAAAAA/AAAAAAAAAKCGAQAAAAAAAAAAAAAAAAAMAAAAAQAAAAAAAAAAAAAAAAAAAB8AAABUAAAARHLEBf///wEAAAAAAAAAAAAAAAAAAAAAAAAAAAAAAAAAAAAAAAAAAAAAAAJ/f38A5+bmA8zMzADAwP8Af39/AAAAAAAAAAAAAAAAAAAAAAAAAAAAIQAAABgAAAAUAAAAJgEAAFMGAAAvKgAA7SkAABAgAAAmAAAACAAAAP//////////"/>
               </a:ext>
             </a:extLst>
           </p:cNvSpPr>
@@ -11873,7 +11876,7 @@
           <p:cNvSpPr>
             <a:extLst>
               <a:ext uri="smNativeData">
-                <pr:smNativeData xmlns="smNativeData" xmlns:pr="smNativeData" xmlns:p15="http://schemas.microsoft.com/office/powerpoint/2012/main" xmlns:p14="http://schemas.microsoft.com/office/powerpoint/2010/main" xmlns:mc="http://schemas.openxmlformats.org/markup-compatibility/2006" val="SMDATA_15_q5OGZBMAAAAlAAAAZAAAAA0AAAAAjgAAAEcAAACOAAAARwAAAAAAAAABAAAAAAAAAAEAAABQAAAAAAAAAAAA4D8AAAAAAADgPwAAAAAAAOA/AAAAAAAA4D8AAAAAAADgPwAAAAAAAOA/AAAAAAAA4D8AAAAAAADgPwAAAAAAAOA/AAAAAAAA4D8CAAAAjAAAAAEAAAAAAAAAIis1AP///wgAAAAAAAAAAAAAAAAAAAAAAAAAAAAAAAAAAAAAZAAAAAEAAABAAAAAAAAAAAAAAAAAAAAAAAAAAAAAAAAAAAAAAAAAAAAAAAAAAAAAAAAAAAAAAAAAAAAAAAAAAAAAAAAAAAAAAAAAAAAAAAAAAAAAAAAAAAAAAAAAAAAAFAAAADwAAAABAAAAAAAAAOfm5gooAAAAAQAAABQAAAAUAAAAFAAAAAEAAAAAAAAAZAAAAGQAAAAAAAAAZAAAAGQAAAAVAAAAYAAAAAAAAAAAAAAADwAAACADAAAAAAAAAAAAAAEAAACgMgAAVgcAAKr4//8BAAAAf39/AAEAAABkAAAAAAAAABQAAABAHwAAAAAAACYAAAAAAAAAwOD//wAAAAAmAAAAZAAAABYAAABMAAAAAAAAAAAAAAAEAAAAAAAAAAEAAADn5uYKAAAAACgAAAAoAAAAZAAAAGQAAAAAAAAAzMzMAAAAAABQAAAAUAAAAGQAAABkAAAAAAAAABcAAAAUAAAAAAAAAAAAAAD/fwAA/38AAAAAAAAJAAAABAAAAKv///8eAAAAaAAAAAAAAAAAAAAAAAAAAAAAAAAAAAAAECcAABAnAAAAAAAAAAAAAAAAAAAAAAAAAAAAAAAAAAAAAAAAAAAAABQAAAAAAAAAwMD/AAAAAABkAAAAMgAAAAAAAABkAAAAAAAAAH9/fwAKAAAAIgAAABgAAAAAAAAAAAAAAAAAAAAAAAAAAAAAAAAAAAAkAAAAJAAAAAAAAAAHAAAAAAAAAAAAAAAAAAAAAAAAAAAAAAAAAAAAf39/ACUAAABYAAAAAAAAAAAAAAAAAAAAAAAAAAAAAAAAAAAAAAAAAAAAAAAAAAAAAAAAAAAAAAA/AAAAAAAAAKCGAQAAAAAAAAAAAAAAAAAMAAAAAQAAAAAAAAAAAAAAAAAAAB8AAABUAAAAIis1AP///wEAAAAAAAAAAAAAAAAAAAAAAAAAAAAAAAAAAAAAAAAAAOfm5gN/f38A5+bmA8zMzADAwP8Af39/AAAAAAAAAAAAAAAAAAAAAAAAAAAAIQAAABgAAAAUAAAAQhQAAEkBAAC9NgAARAUAABAAAAAmAAAACAAAAP//////////"/>
+                <pr:smNativeData xmlns:mc="http://schemas.openxmlformats.org/markup-compatibility/2006" xmlns:p14="http://schemas.microsoft.com/office/powerpoint/2010/main" xmlns:p15="http://schemas.microsoft.com/office/powerpoint/2012/main" xmlns:pr="smNativeData" xmlns="smNativeData" val="SMDATA_15_q5OGZBMAAAAlAAAAZAAAAA0AAAAAjgAAAEcAAACOAAAARwAAAAAAAAABAAAAAAAAAAEAAABQAAAAAAAAAAAA4D8AAAAAAADgPwAAAAAAAOA/AAAAAAAA4D8AAAAAAADgPwAAAAAAAOA/AAAAAAAA4D8AAAAAAADgPwAAAAAAAOA/AAAAAAAA4D8CAAAAjAAAAAEAAAAAAAAAIis1AP///wgAAAAAAAAAAAAAAAAAAAAAAAAAAAAAAAAAAAAAZAAAAAEAAABAAAAAAAAAAAAAAAAAAAAAAAAAAAAAAAAAAAAAAAAAAAAAAAAAAAAAAAAAAAAAAAAAAAAAAAAAAAAAAAAAAAAAAAAAAAAAAAAAAAAAAAAAAAAAAAAAAAAAFAAAADwAAAABAAAAAAAAAOfm5gooAAAAAQAAABQAAAAUAAAAFAAAAAEAAAAAAAAAZAAAAGQAAAAAAAAAZAAAAGQAAAAVAAAAYAAAAAAAAAAAAAAADwAAACADAAAAAAAAAAAAAAEAAACgMgAAVgcAAKr4//8BAAAAf39/AAEAAABkAAAAAAAAABQAAABAHwAAAAAAACYAAAAAAAAAwOD//wAAAAAmAAAAZAAAABYAAABMAAAAAAAAAAAAAAAEAAAAAAAAAAEAAADn5uYKAAAAACgAAAAoAAAAZAAAAGQAAAAAAAAAzMzMAAAAAABQAAAAUAAAAGQAAABkAAAAAAAAABcAAAAUAAAAAAAAAAAAAAD/fwAA/38AAAAAAAAJAAAABAAAAKv///8eAAAAaAAAAAAAAAAAAAAAAAAAAAAAAAAAAAAAECcAABAnAAAAAAAAAAAAAAAAAAAAAAAAAAAAAAAAAAAAAAAAAAAAABQAAAAAAAAAwMD/AAAAAABkAAAAMgAAAAAAAABkAAAAAAAAAH9/fwAKAAAAIgAAABgAAAAAAAAAAAAAAAAAAAAAAAAAAAAAAAAAAAAkAAAAJAAAAAAAAAAHAAAAAAAAAAAAAAAAAAAAAAAAAAAAAAAAAAAAf39/ACUAAABYAAAAAAAAAAAAAAAAAAAAAAAAAAAAAAAAAAAAAAAAAAAAAAAAAAAAAAAAAAAAAAA/AAAAAAAAAKCGAQAAAAAAAAAAAAAAAAAMAAAAAQAAAAAAAAAAAAAAAAAAAB8AAABUAAAAIis1AP///wEAAAAAAAAAAAAAAAAAAAAAAAAAAAAAAAAAAAAAAAAAAOfm5gN/f38A5+bmA8zMzADAwP8Af39/AAAAAAAAAAAAAAAAAAAAAAAAAAAAIQAAABgAAAAUAAAAQhQAAEkBAAC9NgAARAUAABAAAAAmAAAACAAAAP//////////"/>
               </a:ext>
             </a:extLst>
           </p:cNvSpPr>
@@ -11935,7 +11938,7 @@
           <p:cNvPicPr>
             <a:extLst>
               <a:ext uri="smNativeData">
-                <pr:smNativeData xmlns="smNativeData" xmlns:pr="smNativeData" xmlns:p15="http://schemas.microsoft.com/office/powerpoint/2012/main" xmlns:p14="http://schemas.microsoft.com/office/powerpoint/2010/main" xmlns:mc="http://schemas.openxmlformats.org/markup-compatibility/2006" val="SMDATA_17_q5OGZBMAAAAlAAAAEQAAAA0AAAAAkAAAAEgAAACQAAAASAAAAAAAAAAAAAAAAAAAAAEAAABQAAAAAAAAAAAA4D8AAAAAAADgPwAAAAAAAOA/AAAAAAAA4D8AAAAAAADgPwAAAAAAAOA/AAAAAAAA4D8AAAAAAADgPwAAAAAAAOA/AAAAAAAA4D8CAAAAjAAAAAAAAAAAAAAARHLEDP///wgAAAAAAAAAAAAAAAAAAAAAAAAAAAAAAAAAAAAAZAAAAAEAAABAAAAAAAAAAAAAAAAAAAAAAAAAAAAAAAAAAAAAAAAAAAAAAAAAAAAAAAAAAAAAAAAAAAAAAAAAAAAAAAAAAAAAAAAAAAAAAAAAAAAAAAAAAAAAAAAAAAAAFAAAADwAAAAAAAAAAAAAAAAAAAkUAAAAAQAAABQAAAAUAAAAFAAAAAEAAAAAAAAAZAAAAGQAAAAAAAAAZAAAAGQAAAAVAAAAYAAAAAAAAAAAAAAADwAAACADAAAAAAAAAAAAAAEAAACgMgAAVgcAAKr4//8BAAAAf39/AAEAAABkAAAAAAAAABQAAABAHwAAAAAAACYAAAAAAAAAwOD//wAAAAAmAAAAZAAAABYAAABMAAAAAAAAAAAAAAAEAAAAAAAAAAEAAADn5uYKAAAAACgAAAAoAAAAZAAAAGQAAAAAAAAAzMzMAAAAAABQAAAAUAAAAGQAAABkAAAAAAAAAAcAAAA4AAAAAAAAAAAAAAAAAAAA////AAAAAAAAAAAAAAAAAAAAAAAAAAAAAAAAAAAAAABkAAAAZAAAAAAAAAAjAAAABAAAAGQAAAAXAAAAFAAAAAAAAAAAAAAA/38AAP9/AAAAAAAACQAAAAQAAAABAAAAHgAAAGgAAAAAAAAAAAAAAAAAAAAAAAAAAAAAABAnAAAQJwAAAAAAAAAAAAAAAAAAAAAAAAAAAAAAAAAAAAAAAAAAAAAUAAAAAAAAAMDA/wAAAAAAZAAAADIAAAAAAAAAZAAAAAAAAAB/f38ACgAAACIAAAAYAAAAAAAAAAAAAAAAAAAAAAAAAAAAAAAAAAAAJAAAACQAAAAAAAAABwAAAAAAAAAAAAAAAAAAAAAAAAAAAAAAAAAAAH9/fwAlAAAAWAAAAAAAAAAAAAAAAAAAAAAAAAAAAAAAAAAAAAAAAAAAAAAAAAAAAAAAAAAAAAAAPwAAAAAAAACghgEAAAAAAAAAAAAAAAAADAAAAAEAAAAAAAAAAAAAAAAAAAAfAAAAVAAAAERyxAX///8BAAAAAAAAAAAAAAAAAAAAAAAAAAAAAAAAAAAAAAAAAAAAAAACf39/AOfm5gPMzMwAwMD/AH9/fwAAAAAAAAAAAAAAAAD///8AAAAAACEAAAAYAAAAFAAAAKYrAAB7CwAAEEgAALQeAAAQAAAAJgAAAAgAAAD//////////w=="/>
+                <pr:smNativeData xmlns:mc="http://schemas.openxmlformats.org/markup-compatibility/2006" xmlns:p14="http://schemas.microsoft.com/office/powerpoint/2010/main" xmlns:p15="http://schemas.microsoft.com/office/powerpoint/2012/main" xmlns:pr="smNativeData" xmlns="smNativeData" val="SMDATA_17_q5OGZBMAAAAlAAAAEQAAAA0AAAAAkAAAAEgAAACQAAAASAAAAAAAAAAAAAAAAAAAAAEAAABQAAAAAAAAAAAA4D8AAAAAAADgPwAAAAAAAOA/AAAAAAAA4D8AAAAAAADgPwAAAAAAAOA/AAAAAAAA4D8AAAAAAADgPwAAAAAAAOA/AAAAAAAA4D8CAAAAjAAAAAAAAAAAAAAARHLEDP///wgAAAAAAAAAAAAAAAAAAAAAAAAAAAAAAAAAAAAAZAAAAAEAAABAAAAAAAAAAAAAAAAAAAAAAAAAAAAAAAAAAAAAAAAAAAAAAAAAAAAAAAAAAAAAAAAAAAAAAAAAAAAAAAAAAAAAAAAAAAAAAAAAAAAAAAAAAAAAAAAAAAAAFAAAADwAAAAAAAAAAAAAAAAAAAkUAAAAAQAAABQAAAAUAAAAFAAAAAEAAAAAAAAAZAAAAGQAAAAAAAAAZAAAAGQAAAAVAAAAYAAAAAAAAAAAAAAADwAAACADAAAAAAAAAAAAAAEAAACgMgAAVgcAAKr4//8BAAAAf39/AAEAAABkAAAAAAAAABQAAABAHwAAAAAAACYAAAAAAAAAwOD//wAAAAAmAAAAZAAAABYAAABMAAAAAAAAAAAAAAAEAAAAAAAAAAEAAADn5uYKAAAAACgAAAAoAAAAZAAAAGQAAAAAAAAAzMzMAAAAAABQAAAAUAAAAGQAAABkAAAAAAAAAAcAAAA4AAAAAAAAAAAAAAAAAAAA////AAAAAAAAAAAAAAAAAAAAAAAAAAAAAAAAAAAAAABkAAAAZAAAAAAAAAAjAAAABAAAAGQAAAAXAAAAFAAAAAAAAAAAAAAA/38AAP9/AAAAAAAACQAAAAQAAAABAAAAHgAAAGgAAAAAAAAAAAAAAAAAAAAAAAAAAAAAABAnAAAQJwAAAAAAAAAAAAAAAAAAAAAAAAAAAAAAAAAAAAAAAAAAAAAUAAAAAAAAAMDA/wAAAAAAZAAAADIAAAAAAAAAZAAAAAAAAAB/f38ACgAAACIAAAAYAAAAAAAAAAAAAAAAAAAAAAAAAAAAAAAAAAAAJAAAACQAAAAAAAAABwAAAAAAAAAAAAAAAAAAAAAAAAAAAAAAAAAAAH9/fwAlAAAAWAAAAAAAAAAAAAAAAAAAAAAAAAAAAAAAAAAAAAAAAAAAAAAAAAAAAAAAAAAAAAAAPwAAAAAAAACghgEAAAAAAAAAAAAAAAAADAAAAAEAAAAAAAAAAAAAAAAAAAAfAAAAVAAAAERyxAX///8BAAAAAAAAAAAAAAAAAAAAAAAAAAAAAAAAAAAAAAAAAAAAAAACf39/AOfm5gPMzMwAwMD/AH9/fwAAAAAAAAAAAAAAAAD///8AAAAAACEAAAAYAAAAFAAAAKYrAAB7CwAAEEgAALQeAAAQAAAAJgAAAAgAAAD//////////w=="/>
               </a:ext>
             </a:extLst>
           </p:cNvPicPr>
@@ -12001,7 +12004,7 @@
           <p:cNvSpPr>
             <a:extLst>
               <a:ext uri="smNativeData">
-                <pr:smNativeData xmlns="smNativeData" xmlns:pr="smNativeData" xmlns:p15="http://schemas.microsoft.com/office/powerpoint/2012/main" xmlns:p14="http://schemas.microsoft.com/office/powerpoint/2010/main" xmlns:mc="http://schemas.openxmlformats.org/markup-compatibility/2006" val="SMDATA_15_q5OGZBMAAAAlAAAAqgAAAA0AAAAAkAAAAEgAAACQAAAASAAAAAAAAAAAAAAAAAAAAAEAAABQAAAAda9fBcX/xz8AAAAAAADgPwAAAAAAAOA/AAAAAAAA4D8AAAAAAADgPwAAAAAAAOA/AAAAAAAA4D8AAAAAAADgPwAAAAAAAOA/AAAAAAAA4D8CAAAAjAAAAAEAAAAAAAAANEBQAP///wgAAAAAAAAAAAAAAAAAAAAAAAAAAAAAAAAAAAAAZAAAAAEAAABAAAAAAAAAAAAAAAAAAAAAAAAAAAAAAAAAAAAAAAAAAAAAAAAAAAAAAAAAAAAAAAAAAAAAAAAAAAAAAAAAAAAAAAAAAAAAAAAAAAAAAAAAAAAAAAAAAAAAFAAAADwAAAABAAAAAAAAAP///wgoAAAAAQAAABQAAAAUAAAAFAAAAAEAAAAAAAAAZAAAAGQAAAAAAAAAZAAAAGQAAAAVAAAAYAAAAAAAAAAAAAAADwAAACADAAAAAAAAAAAAAAEAAACgMgAAVgcAAKr4//8BAAAAf39/AAEAAABkAAAAAAAAABQAAABAHwAAAAAAACYAAAAAAAAAwOD//wAAAAAmAAAAZAAAABYAAABMAAAAAAAAAAAAAAAEAAAAAAAAAAEAAADn5uYKAAAAACgAAAAoAAAAZAAAAGQAAAAAAAAAzMzMAAAAAABQAAAAUAAAAGQAAABkAAAAAAAAABcAAAAUAAAAAAAAAAAAAAD/fwAA/38AAAAAAAAJAAAABAAAAAIAAAAeAAAAaAAAAAAAAAAAAAAAAAAAAAAAAAAAAAAAECcAABAnAAAAAAAAAAAAAAAAAAAAAAAAAAAAAAAAAAAAAAAAAAAAABQAAAAAAAAAwMD/AAAAAABkAAAAMgAAAAAAAABkAAAAAAAAAH9/fwAKAAAAIgAAABgAAAAAAAAAAAAAAAAAAAAAAAAAAAAAAAAAAAAkAAAAJAAAAAAAAAAHAAAAAAAAAAAAAAAAAAAAAAAAAAAAAAAAAAAAf39/ACUAAABYAAAAAAAAAAAAAAAAAAAAAAAAAAAAAAAAAAAAAAAAAAAAAAAAAAAAAAAAAAAAAAA/AAAAAAAAAKCGAQAAAAAAAAAAAAAAAAAMAAAAAQAAAAAAAAAAAAAAAAAAAB8AAABUAAAANEBQAP///wEAAAAAAAAAAAAAAAAAAAAAAAAAAAAAAAAAAAAAAAAAAP///wF/f38A5+bmA8zMzADAwP8Af39/AAAAAAAAAAAAAAAAAAAAAAAAAAAAIQAAABgAAAAUAAAAAAAAAAAAAAD/SgAALyoAABAAAAAmAAAACAAAAP//////////"/>
+                <pr:smNativeData xmlns:mc="http://schemas.openxmlformats.org/markup-compatibility/2006" xmlns:p14="http://schemas.microsoft.com/office/powerpoint/2010/main" xmlns:p15="http://schemas.microsoft.com/office/powerpoint/2012/main" xmlns:pr="smNativeData" xmlns="smNativeData" val="SMDATA_15_q5OGZBMAAAAlAAAAqgAAAA0AAAAAkAAAAEgAAACQAAAASAAAAAAAAAAAAAAAAAAAAAEAAABQAAAAda9fBcX/xz8AAAAAAADgPwAAAAAAAOA/AAAAAAAA4D8AAAAAAADgPwAAAAAAAOA/AAAAAAAA4D8AAAAAAADgPwAAAAAAAOA/AAAAAAAA4D8CAAAAjAAAAAEAAAAAAAAANEBQAP///wgAAAAAAAAAAAAAAAAAAAAAAAAAAAAAAAAAAAAAZAAAAAEAAABAAAAAAAAAAAAAAAAAAAAAAAAAAAAAAAAAAAAAAAAAAAAAAAAAAAAAAAAAAAAAAAAAAAAAAAAAAAAAAAAAAAAAAAAAAAAAAAAAAAAAAAAAAAAAAAAAAAAAFAAAADwAAAABAAAAAAAAAP///wgoAAAAAQAAABQAAAAUAAAAFAAAAAEAAAAAAAAAZAAAAGQAAAAAAAAAZAAAAGQAAAAVAAAAYAAAAAAAAAAAAAAADwAAACADAAAAAAAAAAAAAAEAAACgMgAAVgcAAKr4//8BAAAAf39/AAEAAABkAAAAAAAAABQAAABAHwAAAAAAACYAAAAAAAAAwOD//wAAAAAmAAAAZAAAABYAAABMAAAAAAAAAAAAAAAEAAAAAAAAAAEAAADn5uYKAAAAACgAAAAoAAAAZAAAAGQAAAAAAAAAzMzMAAAAAABQAAAAUAAAAGQAAABkAAAAAAAAABcAAAAUAAAAAAAAAAAAAAD/fwAA/38AAAAAAAAJAAAABAAAAAIAAAAeAAAAaAAAAAAAAAAAAAAAAAAAAAAAAAAAAAAAECcAABAnAAAAAAAAAAAAAAAAAAAAAAAAAAAAAAAAAAAAAAAAAAAAABQAAAAAAAAAwMD/AAAAAABkAAAAMgAAAAAAAABkAAAAAAAAAH9/fwAKAAAAIgAAABgAAAAAAAAAAAAAAAAAAAAAAAAAAAAAAAAAAAAkAAAAJAAAAAAAAAAHAAAAAAAAAAAAAAAAAAAAAAAAAAAAAAAAAAAAf39/ACUAAABYAAAAAAAAAAAAAAAAAAAAAAAAAAAAAAAAAAAAAAAAAAAAAAAAAAAAAAAAAAAAAAA/AAAAAAAAAKCGAQAAAAAAAAAAAAAAAAAMAAAAAQAAAAAAAAAAAAAAAAAAAB8AAABUAAAANEBQAP///wEAAAAAAAAAAAAAAAAAAAAAAAAAAAAAAAAAAAAAAAAAAP///wF/f38A5+bmA8zMzADAwP8Af39/AAAAAAAAAAAAAAAAAAAAAAAAAAAAIQAAABgAAAAUAAAAAAAAAAAAAAD/SgAALyoAABAAAAAmAAAACAAAAP//////////"/>
               </a:ext>
             </a:extLst>
           </p:cNvSpPr>
@@ -12037,7 +12040,7 @@
           <p:cNvPicPr>
             <a:extLst>
               <a:ext uri="smNativeData">
-                <pr:smNativeData xmlns="smNativeData" xmlns:pr="smNativeData" xmlns:p15="http://schemas.microsoft.com/office/powerpoint/2012/main" xmlns:p14="http://schemas.microsoft.com/office/powerpoint/2010/main" xmlns:mc="http://schemas.openxmlformats.org/markup-compatibility/2006" val="SMDATA_17_q5OGZBMAAAAlAAAAEQAAAA0AAAAAkAAAAEgAAACQAAAASAAAAAAAAAAAAAAAAAAAAAEAAABQAAAAAAAAAAAA4D8AAAAAAADgPwAAAAAAAOA/AAAAAAAA4D8AAAAAAADgPwAAAAAAAOA/AAAAAAAA4D8AAAAAAADgPwAAAAAAAOA/AAAAAAAA4D8CAAAAjAAAAAAAAAAAAAAARHLEDP///wgAAAAAAAAAAAAAAAAAAAAAAAAAAAAAAAAAAAAAZAAAAAEAAABAAAAAAAAAAAAAAAAAAAAAAAAAAAAAAAAAAAAAAAAAAAAAAAAAAAAAAAAAAAAAAAAAAAAAAAAAAAAAAAAAAAAAAAAAAAAAAAAAAAAAAAAAAAAAAAAAAAAAFAAAADwAAAAAAAAAAAAAAAAAAAkUAAAAAQAAABQAAAAUAAAAFAAAAAEAAAAAAAAAZAAAAGQAAAAAAAAAZAAAAGQAAAAVAAAAYAAAAAAAAAAAAAAADwAAACADAAAAAAAAAAAAAAEAAACgMgAAVgcAAKr4//8BAAAAf39/AAEAAABkAAAAAAAAABQAAABAHwAAAAAAACYAAAAAAAAAwOD//wAAAAAmAAAAZAAAABYAAABMAAAAAAAAAAAAAAAEAAAAAAAAAAEAAADn5uYKAAAAACgAAAAoAAAAZAAAAGQAAAAAAAAAzMzMAAAAAABQAAAAUAAAAGQAAABkAAAAAAAAAAcAAAA4AAAAAAAAAAAAAAAAAAAA////AAAAAAAAAAAAAAAAAAAAAAAAAAAAAAAAAAAAAABkAAAAZAAAAAAAAAAjAAAABAAAAGQAAAAXAAAAFAAAAAAAAAAAAAAA/38AAP9/AAAAAAAACQAAAAQAAAADAAAAHgAAAGgAAAAAAAAAAAAAAAAAAAAAAAAAAAAAABAnAAAQJwAAAAAAAAAAAAAAAAAAAAAAAAAAAAAAAAAAAAAAAAAAAAAUAAAAAAAAAMDA/wAAAAAAZAAAADIAAAAAAAAAZAAAAAAAAAB/f38ACgAAACIAAAAYAAAAAAAAAAAAAAAAAAAAAAAAAAAAAAAAAAAAJAAAACQAAAAAAAAABwAAAAAAAAAAAAAAAAAAAAAAAAAAAAAAAAAAAH9/fwAlAAAAWAAAAAAAAAAAAAAAAAAAAAAAAAAAAAAAAAAAAAAAAAAAAAAAAAAAAAAAAAAAAAAAPwAAAAAAAACghgEAAAAAAAAAAAAAAAAADAAAAAEAAAAAAAAAAAAAAAAAAAAfAAAAVAAAAERyxAX///8BAAAAAAAAAAAAAAAAAAAAAAAAAAAAAAAAAAAAAAAAAAAAAAACf39/AOfm5gPMzMwAwMD/AH9/fwAAAAAAAAAAAAAAAAD///8AAAAAACEAAAAYAAAAFAAAAEMUAACCDgAAvTYAAG4fAAAQAAAAJgAAAAgAAAD//////////w=="/>
+                <pr:smNativeData xmlns:mc="http://schemas.openxmlformats.org/markup-compatibility/2006" xmlns:p14="http://schemas.microsoft.com/office/powerpoint/2010/main" xmlns:p15="http://schemas.microsoft.com/office/powerpoint/2012/main" xmlns:pr="smNativeData" xmlns="smNativeData" val="SMDATA_17_q5OGZBMAAAAlAAAAEQAAAA0AAAAAkAAAAEgAAACQAAAASAAAAAAAAAAAAAAAAAAAAAEAAABQAAAAAAAAAAAA4D8AAAAAAADgPwAAAAAAAOA/AAAAAAAA4D8AAAAAAADgPwAAAAAAAOA/AAAAAAAA4D8AAAAAAADgPwAAAAAAAOA/AAAAAAAA4D8CAAAAjAAAAAAAAAAAAAAARHLEDP///wgAAAAAAAAAAAAAAAAAAAAAAAAAAAAAAAAAAAAAZAAAAAEAAABAAAAAAAAAAAAAAAAAAAAAAAAAAAAAAAAAAAAAAAAAAAAAAAAAAAAAAAAAAAAAAAAAAAAAAAAAAAAAAAAAAAAAAAAAAAAAAAAAAAAAAAAAAAAAAAAAAAAAFAAAADwAAAAAAAAAAAAAAAAAAAkUAAAAAQAAABQAAAAUAAAAFAAAAAEAAAAAAAAAZAAAAGQAAAAAAAAAZAAAAGQAAAAVAAAAYAAAAAAAAAAAAAAADwAAACADAAAAAAAAAAAAAAEAAACgMgAAVgcAAKr4//8BAAAAf39/AAEAAABkAAAAAAAAABQAAABAHwAAAAAAACYAAAAAAAAAwOD//wAAAAAmAAAAZAAAABYAAABMAAAAAAAAAAAAAAAEAAAAAAAAAAEAAADn5uYKAAAAACgAAAAoAAAAZAAAAGQAAAAAAAAAzMzMAAAAAABQAAAAUAAAAGQAAABkAAAAAAAAAAcAAAA4AAAAAAAAAAAAAAAAAAAA////AAAAAAAAAAAAAAAAAAAAAAAAAAAAAAAAAAAAAABkAAAAZAAAAAAAAAAjAAAABAAAAGQAAAAXAAAAFAAAAAAAAAAAAAAA/38AAP9/AAAAAAAACQAAAAQAAAADAAAAHgAAAGgAAAAAAAAAAAAAAAAAAAAAAAAAAAAAABAnAAAQJwAAAAAAAAAAAAAAAAAAAAAAAAAAAAAAAAAAAAAAAAAAAAAUAAAAAAAAAMDA/wAAAAAAZAAAADIAAAAAAAAAZAAAAAAAAAB/f38ACgAAACIAAAAYAAAAAAAAAAAAAAAAAAAAAAAAAAAAAAAAAAAAJAAAACQAAAAAAAAABwAAAAAAAAAAAAAAAAAAAAAAAAAAAAAAAAAAAH9/fwAlAAAAWAAAAAAAAAAAAAAAAAAAAAAAAAAAAAAAAAAAAAAAAAAAAAAAAAAAAAAAAAAAAAAAPwAAAAAAAACghgEAAAAAAAAAAAAAAAAADAAAAAEAAAAAAAAAAAAAAAAAAAAfAAAAVAAAAERyxAX///8BAAAAAAAAAAAAAAAAAAAAAAAAAAAAAAAAAAAAAAAAAAAAAAACf39/AOfm5gPMzMwAwMD/AH9/fwAAAAAAAAAAAAAAAAD///8AAAAAACEAAAAYAAAAFAAAAEMUAACCDgAAvTYAAG4fAAAQAAAAJgAAAAgAAAD//////////w=="/>
               </a:ext>
             </a:extLst>
           </p:cNvPicPr>
@@ -12070,7 +12073,7 @@
           <p:cNvSpPr>
             <a:extLst>
               <a:ext uri="smNativeData">
-                <pr:smNativeData xmlns="smNativeData" xmlns:pr="smNativeData" xmlns:p15="http://schemas.microsoft.com/office/powerpoint/2012/main" xmlns:p14="http://schemas.microsoft.com/office/powerpoint/2010/main" xmlns:mc="http://schemas.openxmlformats.org/markup-compatibility/2006" val="SMDATA_15_q5OGZBMAAAAlAAAAZAAAAE0AAAAAjgAAAEcAAACOAAAARwAAAAAAAAAAAAAAAAAAAAEAAABQAAAAAAAAAAAA4D8AAAAAAADgPwAAAAAAAOA/AAAAAAAA4D8AAAAAAADgPwAAAAAAAOA/AAAAAAAA4D8AAAAAAADgPwAAAAAAAOA/AAAAAAAA4D8CAAAAjAAAAAAAAAAAAAAARHLEDP///wgAAAAAAAAAAAAAAAAAAAAAAAAAAAAAAAAAAAAAZAAAAAEAAABAAAAAAAAAAAAAAAAAAAAAAAAAAAAAAAAAAAAAAAAAAAAAAAAAAAAAAAAAAAAAAAAAAAAAAAAAAAAAAAAAAAAAAAAAAAAAAAAAAAAAAAAAAAAAAAAAAAAAFAAAADwAAAAAAAAAAAAAAAAAAAkUAAAAAQAAABQAAAAUAAAAFAAAAAEAAAAAAAAAZAAAAGQAAAAAAAAAZAAAAGQAAAAVAAAAYAAAAAAAAAAAAAAADwAAACADAAAAAAAAAAAAAAEAAACgMgAAVgcAAKr4//8BAAAAf39/AAEAAABkAAAAAAAAABQAAABAHwAAAAAAACYAAAAAAAAAwOD//wAAAAAmAAAAZAAAABYAAABMAAAAAAAAAAAAAAAEAAAAAAAAAAEAAADn5uYKAAAAACgAAAAoAAAAZAAAAGQAAAAAAAAAzMzMAAAAAABQAAAAUAAAAGQAAABkAAAAAAAAABcAAAAUAAAAAAAAAAAAAAD/fwAA/38AAAAAAAAJAAAABAAAAKP///8eAAAAaAAAAAAAAAAAAAAAAAAAAAAAAAAAAAAAECcAABAnAAAAAAAAAAAAAAAAAAAAAAAAAAAAAAAAAAAAAAAAAAAAABQAAAAAAAAAwMD/AAAAAABkAAAAMgAAAAAAAABkAAAAAAAAAH9/fwAKAAAAIgAAABgAAAAAAAAAAAAAAAAAAAAAAAAAAAAAAAAAAAAkAAAAJAAAAAAAAAAHAAAAAAAAAAAAAAAAAAAAAAAAAAAAAAAAAAAAf39/ACUAAABYAAAAAAAAAAAAAAAAAAAAAAAAAAAAAAAAAAAAAAAAAAAAAAAAAAAAAAAAAAAAAAA/AAAAAAAAAKCGAQAAAAAAAAAAAAAAAAAMAAAAAQAAAAAAAAAAAAAAAAAAAB8AAABUAAAARHLEBf///wEAAAAAAAAAAAAAAAAAAAAAAAAAAAAAAAAAAAAAAAAAAAAAAAJ/f38A5+bmA8zMzADAwP8Af39/AAAAAAAAAAAAAAAAAAAAAAAAAAAAIQAAABgAAAAUAAAAbAQAAGMHAABYEQAAvAsAABAgAAAmAAAACAAAAP//////////"/>
+                <pr:smNativeData xmlns:mc="http://schemas.openxmlformats.org/markup-compatibility/2006" xmlns:p14="http://schemas.microsoft.com/office/powerpoint/2010/main" xmlns:p15="http://schemas.microsoft.com/office/powerpoint/2012/main" xmlns:pr="smNativeData" xmlns="smNativeData" val="SMDATA_15_q5OGZBMAAAAlAAAAZAAAAE0AAAAAjgAAAEcAAACOAAAARwAAAAAAAAAAAAAAAAAAAAEAAABQAAAAAAAAAAAA4D8AAAAAAADgPwAAAAAAAOA/AAAAAAAA4D8AAAAAAADgPwAAAAAAAOA/AAAAAAAA4D8AAAAAAADgPwAAAAAAAOA/AAAAAAAA4D8CAAAAjAAAAAAAAAAAAAAARHLEDP///wgAAAAAAAAAAAAAAAAAAAAAAAAAAAAAAAAAAAAAZAAAAAEAAABAAAAAAAAAAAAAAAAAAAAAAAAAAAAAAAAAAAAAAAAAAAAAAAAAAAAAAAAAAAAAAAAAAAAAAAAAAAAAAAAAAAAAAAAAAAAAAAAAAAAAAAAAAAAAAAAAAAAAFAAAADwAAAAAAAAAAAAAAAAAAAkUAAAAAQAAABQAAAAUAAAAFAAAAAEAAAAAAAAAZAAAAGQAAAAAAAAAZAAAAGQAAAAVAAAAYAAAAAAAAAAAAAAADwAAACADAAAAAAAAAAAAAAEAAACgMgAAVgcAAKr4//8BAAAAf39/AAEAAABkAAAAAAAAABQAAABAHwAAAAAAACYAAAAAAAAAwOD//wAAAAAmAAAAZAAAABYAAABMAAAAAAAAAAAAAAAEAAAAAAAAAAEAAADn5uYKAAAAACgAAAAoAAAAZAAAAGQAAAAAAAAAzMzMAAAAAABQAAAAUAAAAGQAAABkAAAAAAAAABcAAAAUAAAAAAAAAAAAAAD/fwAA/38AAAAAAAAJAAAABAAAAKP///8eAAAAaAAAAAAAAAAAAAAAAAAAAAAAAAAAAAAAECcAABAnAAAAAAAAAAAAAAAAAAAAAAAAAAAAAAAAAAAAAAAAAAAAABQAAAAAAAAAwMD/AAAAAABkAAAAMgAAAAAAAABkAAAAAAAAAH9/fwAKAAAAIgAAABgAAAAAAAAAAAAAAAAAAAAAAAAAAAAAAAAAAAAkAAAAJAAAAAAAAAAHAAAAAAAAAAAAAAAAAAAAAAAAAAAAAAAAAAAAf39/ACUAAABYAAAAAAAAAAAAAAAAAAAAAAAAAAAAAAAAAAAAAAAAAAAAAAAAAAAAAAAAAAAAAAA/AAAAAAAAAKCGAQAAAAAAAAAAAAAAAAAMAAAAAQAAAAAAAAAAAAAAAAAAAB8AAABUAAAARHLEBf///wEAAAAAAAAAAAAAAAAAAAAAAAAAAAAAAAAAAAAAAAAAAAAAAAJ/f38A5+bmA8zMzADAwP8Af39/AAAAAAAAAAAAAAAAAAAAAAAAAAAAIQAAABgAAAAUAAAAbAQAAGMHAABYEQAAvAsAABAgAAAmAAAACAAAAP//////////"/>
               </a:ext>
             </a:extLst>
           </p:cNvSpPr>
@@ -12129,7 +12132,7 @@
           <p:cNvSpPr>
             <a:extLst>
               <a:ext uri="smNativeData">
-                <pr:smNativeData xmlns="smNativeData" xmlns:pr="smNativeData" xmlns:p15="http://schemas.microsoft.com/office/powerpoint/2012/main" xmlns:p14="http://schemas.microsoft.com/office/powerpoint/2010/main" xmlns:mc="http://schemas.openxmlformats.org/markup-compatibility/2006" val="SMDATA_15_q5OGZBMAAAAlAAAAZAAAAA0AAAAAjgAAAEcAAACOAAAARwAAAAAAAAABAAAAAAAAAAEAAABQAAAAAAAAAAAA4D8AAAAAAADgPwAAAAAAAOA/AAAAAAAA4D8AAAAAAADgPwAAAAAAAOA/AAAAAAAA4D8AAAAAAADgPwAAAAAAAOA/AAAAAAAA4D8CAAAAjAAAAAEAAAAAAAAAIis1AP///wgAAAAAAAAAAAAAAAAAAAAAAAAAAAAAAAAAAAAAZAAAAAEAAABAAAAAAAAAAAAAAAAAAAAAAAAAAAAAAAAAAAAAAAAAAAAAAAAAAAAAAAAAAAAAAAAAAAAAAAAAAAAAAAAAAAAAAAAAAAAAAAAAAAAAAAAAAAAAAAAAAAAAFAAAADwAAAABAAAAAAAAAOfm5gooAAAAAQAAABQAAAAUAAAAFAAAAAEAAAAAAAAAZAAAAGQAAAAAAAAAZAAAAGQAAAAVAAAAYAAAAAAAAAAAAAAADwAAACADAAAAAAAAAAAAAAEAAACgMgAAVgcAAKr4//8BAAAAf39/AAEAAABkAAAAAAAAABQAAABAHwAAAAAAACYAAAAAAAAAwOD//wAAAAAmAAAAZAAAABYAAABMAAAAAAAAAAAAAAAEAAAAAAAAAAEAAADn5uYKAAAAACgAAAAoAAAAZAAAAGQAAAAAAAAAzMzMAAAAAABQAAAAUAAAAGQAAABkAAAAAAAAABcAAAAUAAAAAAAAAAAAAAD/fwAA/38AAAAAAAAJAAAABAAAAF8AYAAeAAAAaAAAAAAAAAAAAAAAAAAAAAAAAAAAAAAAECcAABAnAAAAAAAAAAAAAAAAAAAAAAAAAAAAAAAAAAAAAAAAAAAAABQAAAAAAAAAwMD/AAAAAABkAAAAMgAAAAAAAABkAAAAAAAAAH9/fwAKAAAAIgAAABgAAAAAAAAAAAAAAAAAAAAAAAAAAAAAAAAAAAAkAAAAJAAAAAAAAAAHAAAAAAAAAAAAAAAAAAAAAAAAAAAAAAAAAAAAf39/ACUAAABYAAAAAAAAAAAAAAAAAAAAAAAAAAAAAAAAAAAAAAAAAAAAAAAAAAAAAAAAAAAAAAA/AAAAAAAAAKCGAQAAAAAAAAAAAAAAAAAMAAAAAQAAAAAAAAAAAAAAAAAAAB8AAABUAAAAIis1AP///wEAAAAAAAAAAAAAAAAAAAAAAAAAAAAAAAAAAAAAAAAAAOfm5gN/f38A5+bmA8zMzADAwP8Af39/AAAAAAAAAAAAAAAAAAAAAAAAAAAAIQAAABgAAAAUAAAAQhQAAEkBAAC9NgAARAUAABAAAAAmAAAACAAAAP//////////"/>
+                <pr:smNativeData xmlns:mc="http://schemas.openxmlformats.org/markup-compatibility/2006" xmlns:p14="http://schemas.microsoft.com/office/powerpoint/2010/main" xmlns:p15="http://schemas.microsoft.com/office/powerpoint/2012/main" xmlns:pr="smNativeData" xmlns="smNativeData" val="SMDATA_15_q5OGZBMAAAAlAAAAZAAAAA0AAAAAjgAAAEcAAACOAAAARwAAAAAAAAABAAAAAAAAAAEAAABQAAAAAAAAAAAA4D8AAAAAAADgPwAAAAAAAOA/AAAAAAAA4D8AAAAAAADgPwAAAAAAAOA/AAAAAAAA4D8AAAAAAADgPwAAAAAAAOA/AAAAAAAA4D8CAAAAjAAAAAEAAAAAAAAAIis1AP///wgAAAAAAAAAAAAAAAAAAAAAAAAAAAAAAAAAAAAAZAAAAAEAAABAAAAAAAAAAAAAAAAAAAAAAAAAAAAAAAAAAAAAAAAAAAAAAAAAAAAAAAAAAAAAAAAAAAAAAAAAAAAAAAAAAAAAAAAAAAAAAAAAAAAAAAAAAAAAAAAAAAAAFAAAADwAAAABAAAAAAAAAOfm5gooAAAAAQAAABQAAAAUAAAAFAAAAAEAAAAAAAAAZAAAAGQAAAAAAAAAZAAAAGQAAAAVAAAAYAAAAAAAAAAAAAAADwAAACADAAAAAAAAAAAAAAEAAACgMgAAVgcAAKr4//8BAAAAf39/AAEAAABkAAAAAAAAABQAAABAHwAAAAAAACYAAAAAAAAAwOD//wAAAAAmAAAAZAAAABYAAABMAAAAAAAAAAAAAAAEAAAAAAAAAAEAAADn5uYKAAAAACgAAAAoAAAAZAAAAGQAAAAAAAAAzMzMAAAAAABQAAAAUAAAAGQAAABkAAAAAAAAABcAAAAUAAAAAAAAAAAAAAD/fwAA/38AAAAAAAAJAAAABAAAAF8AYAAeAAAAaAAAAAAAAAAAAAAAAAAAAAAAAAAAAAAAECcAABAnAAAAAAAAAAAAAAAAAAAAAAAAAAAAAAAAAAAAAAAAAAAAABQAAAAAAAAAwMD/AAAAAABkAAAAMgAAAAAAAABkAAAAAAAAAH9/fwAKAAAAIgAAABgAAAAAAAAAAAAAAAAAAAAAAAAAAAAAAAAAAAAkAAAAJAAAAAAAAAAHAAAAAAAAAAAAAAAAAAAAAAAAAAAAAAAAAAAAf39/ACUAAABYAAAAAAAAAAAAAAAAAAAAAAAAAAAAAAAAAAAAAAAAAAAAAAAAAAAAAAAAAAAAAAA/AAAAAAAAAKCGAQAAAAAAAAAAAAAAAAAMAAAAAQAAAAAAAAAAAAAAAAAAAB8AAABUAAAAIis1AP///wEAAAAAAAAAAAAAAAAAAAAAAAAAAAAAAAAAAAAAAAAAAOfm5gN/f38A5+bmA8zMzADAwP8Af39/AAAAAAAAAAAAAAAAAAAAAAAAAAAAIQAAABgAAAAUAAAAQhQAAEkBAAC9NgAARAUAABAAAAAmAAAACAAAAP//////////"/>
               </a:ext>
             </a:extLst>
           </p:cNvSpPr>
@@ -12224,7 +12227,7 @@
           <p:cNvSpPr>
             <a:extLst>
               <a:ext uri="smNativeData">
-                <pr:smNativeData xmlns="smNativeData" xmlns:pr="smNativeData" xmlns:p15="http://schemas.microsoft.com/office/powerpoint/2012/main" xmlns:p14="http://schemas.microsoft.com/office/powerpoint/2010/main" xmlns:mc="http://schemas.openxmlformats.org/markup-compatibility/2006" val="SMDATA_15_q5OGZBMAAAAlAAAAZAAAAA0AAAAAkAAAAEgAAACQAAAASAAAAAAAAAAAAAAAAAAAAAEAAABQAAAAAAAAAAAA4D8AAAAAAADgPwAAAAAAAOA/AAAAAAAA4D8AAAAAAADgPwAAAAAAAOA/AAAAAAAA4D8AAAAAAADgPwAAAAAAAOA/AAAAAAAA4D8CAAAAjAAAAAAAAAAAAAAARHLEDP///wgAAAAAAAAAAAAAAAAAAAAAAAAAAAAAAAAAAAAAZAAAAAEAAABAAAAAAAAAAAAAAAAAAAAAAAAAAAAAAAAAAAAAAAAAAAAAAAAAAAAAAAAAAAAAAAAAAAAAAAAAAAAAAAAAAAAAAAAAAAAAAAAAAAAAAAAAAAAAAAAAAAAAFAAAADwAAAAAAAAAAAAAAAAAAAkUAAAAAQAAABQAAAAUAAAAFAAAAAEAAAAAAAAAZAAAAGQAAAAAAAAAZAAAAGQAAAAVAAAAYAAAAAAAAAAAAAAADwAAACADAAAAAAAAAAAAAAEAAACgMgAAVgcAAKr4//8BAAAAf39/AAEAAABkAAAAAAAAABQAAABAHwAAAAAAACYAAAAAAAAAwOD//wAAAAAmAAAAZAAAABYAAABMAAAAAAAAAAAAAAAEAAAAAAAAAAEAAADn5uYKAAAAACgAAAAoAAAAZAAAAGQAAAAAAAAAzMzMAAAAAABQAAAAUAAAAGQAAABkAAAAAAAAABcAAAAUAAAAAAAAAAAAAAD/fwAA/38AAAAAAAAJAAAABAAAAJhGCV0eAAAAaAAAAAAAAAAAAAAAAAAAAAAAAAAAAAAAECcAABAnAAAAAAAAAAAAAAAAAAAAAAAAAAAAAAAAAAAAAAAAAAAAABQAAAAAAAAAwMD/AAAAAABkAAAAMgAAAAAAAABkAAAAAAAAAH9/fwAKAAAAIgAAABgAAAAAAAAAAAAAAAAAAAAAAAAAAAAAAAAAAAAkAAAAJAAAAAAAAAAHAAAAAAAAAAAAAAAAAAAAAAAAAAAAAAAAAAAAf39/ACUAAABYAAAAAAAAAAAAAAAAAAAAAAAAAAAAAAAAAAAAAAAAAAAAAAAAAAAAAAAAAAAAAAA/AAAAAAAAAKCGAQAAAAAAAAAAAAAAAAAMAAAAAQAAAAAAAAAAAAAAAAAAAB8AAABUAAAARHLEBf///wEAAAAAAAAAAAAAAAAAAAAAAAAAAAAAAAAAAAAAAAAAAAAAAAJ/f38A5+bmA8zMzADAwP8Af39/AAAAAAAAAAAAAAAAAAAAAAAAAAAAIQAAABgAAAAUAAAAKAUAAJ8BAADXRQAAxQkAABAAAAAmAAAACAAAAP//////////"/>
+                <pr:smNativeData xmlns:mc="http://schemas.openxmlformats.org/markup-compatibility/2006" xmlns:p14="http://schemas.microsoft.com/office/powerpoint/2010/main" xmlns:p15="http://schemas.microsoft.com/office/powerpoint/2012/main" xmlns:pr="smNativeData" xmlns="smNativeData" val="SMDATA_15_q5OGZBMAAAAlAAAAZAAAAA0AAAAAkAAAAEgAAACQAAAASAAAAAAAAAAAAAAAAAAAAAEAAABQAAAAAAAAAAAA4D8AAAAAAADgPwAAAAAAAOA/AAAAAAAA4D8AAAAAAADgPwAAAAAAAOA/AAAAAAAA4D8AAAAAAADgPwAAAAAAAOA/AAAAAAAA4D8CAAAAjAAAAAAAAAAAAAAARHLEDP///wgAAAAAAAAAAAAAAAAAAAAAAAAAAAAAAAAAAAAAZAAAAAEAAABAAAAAAAAAAAAAAAAAAAAAAAAAAAAAAAAAAAAAAAAAAAAAAAAAAAAAAAAAAAAAAAAAAAAAAAAAAAAAAAAAAAAAAAAAAAAAAAAAAAAAAAAAAAAAAAAAAAAAFAAAADwAAAAAAAAAAAAAAAAAAAkUAAAAAQAAABQAAAAUAAAAFAAAAAEAAAAAAAAAZAAAAGQAAAAAAAAAZAAAAGQAAAAVAAAAYAAAAAAAAAAAAAAADwAAACADAAAAAAAAAAAAAAEAAACgMgAAVgcAAKr4//8BAAAAf39/AAEAAABkAAAAAAAAABQAAABAHwAAAAAAACYAAAAAAAAAwOD//wAAAAAmAAAAZAAAABYAAABMAAAAAAAAAAAAAAAEAAAAAAAAAAEAAADn5uYKAAAAACgAAAAoAAAAZAAAAGQAAAAAAAAAzMzMAAAAAABQAAAAUAAAAGQAAABkAAAAAAAAABcAAAAUAAAAAAAAAAAAAAD/fwAA/38AAAAAAAAJAAAABAAAAJhGCV0eAAAAaAAAAAAAAAAAAAAAAAAAAAAAAAAAAAAAECcAABAnAAAAAAAAAAAAAAAAAAAAAAAAAAAAAAAAAAAAAAAAAAAAABQAAAAAAAAAwMD/AAAAAABkAAAAMgAAAAAAAABkAAAAAAAAAH9/fwAKAAAAIgAAABgAAAAAAAAAAAAAAAAAAAAAAAAAAAAAAAAAAAAkAAAAJAAAAAAAAAAHAAAAAAAAAAAAAAAAAAAAAAAAAAAAAAAAAAAAf39/ACUAAABYAAAAAAAAAAAAAAAAAAAAAAAAAAAAAAAAAAAAAAAAAAAAAAAAAAAAAAAAAAAAAAA/AAAAAAAAAKCGAQAAAAAAAAAAAAAAAAAMAAAAAQAAAAAAAAAAAAAAAAAAAB8AAABUAAAARHLEBf///wEAAAAAAAAAAAAAAAAAAAAAAAAAAAAAAAAAAAAAAAAAAAAAAAJ/f38A5+bmA8zMzADAwP8Af39/AAAAAAAAAAAAAAAAAAAAAAAAAAAAIQAAABgAAAAUAAAAKAUAAJ8BAADXRQAAxQkAABAAAAAmAAAACAAAAP//////////"/>
               </a:ext>
             </a:extLst>
           </p:cNvSpPr>
@@ -12251,7 +12254,7 @@
           <p:cNvSpPr>
             <a:extLst>
               <a:ext uri="smNativeData">
-                <pr:smNativeData xmlns="smNativeData" xmlns:pr="smNativeData" xmlns:p15="http://schemas.microsoft.com/office/powerpoint/2012/main" xmlns:p14="http://schemas.microsoft.com/office/powerpoint/2010/main" xmlns:mc="http://schemas.openxmlformats.org/markup-compatibility/2006" val="SMDATA_15_q5OGZBMAAAAlAAAAqgAAAA0AAAAAkAAAAEgAAACQAAAASAAAAAAAAAAAAAAAAAAAAAEAAABQAAAAda9fBcX/xz8AAAAAAADgPwAAAAAAAOA/AAAAAAAA4D8AAAAAAADgPwAAAAAAAOA/AAAAAAAA4D8AAAAAAADgPwAAAAAAAOA/AAAAAAAA4D8CAAAAjAAAAAEAAAAAAAAANEBQAP///wgAAAAAAAAAAAAAAAAAAAAAAAAAAAAAAAAAAAAAZAAAAAEAAABAAAAAAAAAAAAAAAAAAAAAAAAAAAAAAAAAAAAAAAAAAAAAAAAAAAAAAAAAAAAAAAAAAAAAAAAAAAAAAAAAAAAAAAAAAAAAAAAAAAAAAAAAAAAAAAAAAAAAFAAAADwAAAABAAAAAAAAAP///wgoAAAAAQAAABQAAAAUAAAAFAAAAAEAAAAAAAAAZAAAAGQAAAAAAAAAZAAAAGQAAAAVAAAAYAAAAAAAAAAAAAAADwAAACADAAAAAAAAAAAAAAEAAACgMgAAVgcAAKr4//8BAAAAf39/AAEAAABkAAAAAAAAABQAAABAHwAAAAAAACYAAAAAAAAAwOD//wAAAAAmAAAAZAAAABYAAABMAAAAAAAAAAAAAAAEAAAAAAAAAAEAAADn5uYKAAAAACgAAAAoAAAAZAAAAGQAAAAAAAAAzMzMAAAAAABQAAAAUAAAAGQAAABkAAAAAAAAABcAAAAUAAAAAAAAAAAAAAD/fwAA/38AAAAAAAAJAAAABAAAAICAgIAeAAAAaAAAAAAAAAAAAAAAAAAAAAAAAAAAAAAAECcAABAnAAAAAAAAAAAAAAAAAAAAAAAAAAAAAAAAAAAAAAAAAAAAABQAAAAAAAAAwMD/AAAAAABkAAAAMgAAAAAAAABkAAAAAAAAAH9/fwAKAAAAIgAAABgAAAAAAAAAAAAAAAAAAAAAAAAAAAAAAAAAAAAkAAAAJAAAAAAAAAAHAAAAAAAAAAAAAAAAAAAAAAAAAAAAAAAAAAAAf39/ACUAAABYAAAAAAAAAAAAAAAAAAAAAAAAAAAAAAAAAAAAAAAAAAAAAAAAAAAAAAAAAAAAAAA/AAAAAAAAAKCGAQAAAAAAAAAAAAAAAAAMAAAAAQAAAAAAAAAAAAAAAAAAAB8AAABUAAAANEBQAP///wEAAAAAAAAAAAAAAAAAAAAAAAAAAAAAAAAAAAAAAAAAAP///wF/f38A5+bmA8zMzADAwP8Af39/AAAAAAAAAAAAAAAAAAAAAAAAAAAAIQAAABgAAAAUAAAAAAAAAAEAAAD/SgAALyoAABAAAAAmAAAACAAAAP//////////"/>
+                <pr:smNativeData xmlns:mc="http://schemas.openxmlformats.org/markup-compatibility/2006" xmlns:p14="http://schemas.microsoft.com/office/powerpoint/2010/main" xmlns:p15="http://schemas.microsoft.com/office/powerpoint/2012/main" xmlns:pr="smNativeData" xmlns="smNativeData" val="SMDATA_15_q5OGZBMAAAAlAAAAqgAAAA0AAAAAkAAAAEgAAACQAAAASAAAAAAAAAAAAAAAAAAAAAEAAABQAAAAda9fBcX/xz8AAAAAAADgPwAAAAAAAOA/AAAAAAAA4D8AAAAAAADgPwAAAAAAAOA/AAAAAAAA4D8AAAAAAADgPwAAAAAAAOA/AAAAAAAA4D8CAAAAjAAAAAEAAAAAAAAANEBQAP///wgAAAAAAAAAAAAAAAAAAAAAAAAAAAAAAAAAAAAAZAAAAAEAAABAAAAAAAAAAAAAAAAAAAAAAAAAAAAAAAAAAAAAAAAAAAAAAAAAAAAAAAAAAAAAAAAAAAAAAAAAAAAAAAAAAAAAAAAAAAAAAAAAAAAAAAAAAAAAAAAAAAAAFAAAADwAAAABAAAAAAAAAP///wgoAAAAAQAAABQAAAAUAAAAFAAAAAEAAAAAAAAAZAAAAGQAAAAAAAAAZAAAAGQAAAAVAAAAYAAAAAAAAAAAAAAADwAAACADAAAAAAAAAAAAAAEAAACgMgAAVgcAAKr4//8BAAAAf39/AAEAAABkAAAAAAAAABQAAABAHwAAAAAAACYAAAAAAAAAwOD//wAAAAAmAAAAZAAAABYAAABMAAAAAAAAAAAAAAAEAAAAAAAAAAEAAADn5uYKAAAAACgAAAAoAAAAZAAAAGQAAAAAAAAAzMzMAAAAAABQAAAAUAAAAGQAAABkAAAAAAAAABcAAAAUAAAAAAAAAAAAAAD/fwAA/38AAAAAAAAJAAAABAAAAICAgIAeAAAAaAAAAAAAAAAAAAAAAAAAAAAAAAAAAAAAECcAABAnAAAAAAAAAAAAAAAAAAAAAAAAAAAAAAAAAAAAAAAAAAAAABQAAAAAAAAAwMD/AAAAAABkAAAAMgAAAAAAAABkAAAAAAAAAH9/fwAKAAAAIgAAABgAAAAAAAAAAAAAAAAAAAAAAAAAAAAAAAAAAAAkAAAAJAAAAAAAAAAHAAAAAAAAAAAAAAAAAAAAAAAAAAAAAAAAAAAAf39/ACUAAABYAAAAAAAAAAAAAAAAAAAAAAAAAAAAAAAAAAAAAAAAAAAAAAAAAAAAAAAAAAAAAAA/AAAAAAAAAKCGAQAAAAAAAAAAAAAAAAAMAAAAAQAAAAAAAAAAAAAAAAAAAB8AAABUAAAANEBQAP///wEAAAAAAAAAAAAAAAAAAAAAAAAAAAAAAAAAAAAAAAAAAP///wF/f38A5+bmA8zMzADAwP8Af39/AAAAAAAAAAAAAAAAAAAAAAAAAAAAIQAAABgAAAAUAAAAAAAAAAEAAAD/SgAALyoAABAAAAAmAAAACAAAAP//////////"/>
               </a:ext>
             </a:extLst>
           </p:cNvSpPr>
@@ -12287,7 +12290,7 @@
           <p:cNvSpPr>
             <a:extLst>
               <a:ext uri="smNativeData">
-                <pr:smNativeData xmlns="smNativeData" xmlns:pr="smNativeData" xmlns:p15="http://schemas.microsoft.com/office/powerpoint/2012/main" xmlns:p14="http://schemas.microsoft.com/office/powerpoint/2010/main" xmlns:mc="http://schemas.openxmlformats.org/markup-compatibility/2006" val="SMDATA_15_q5OGZBMAAAAlAAAAZAAAAE0AAAAAjgAAAEcAAACOAAAARwAAAAAAAAAAAAAAAAAAAAEAAABQAAAAAAAAAAAA4D8AAAAAAADgPwAAAAAAAOA/AAAAAAAA4D8AAAAAAADgPwAAAAAAAOA/AAAAAAAA4D8AAAAAAADgPwAAAAAAAOA/AAAAAAAA4D8CAAAAjAAAAAAAAAAAAAAARHLEDP///wgAAAAAAAAAAAAAAAAAAAAAAAAAAAAAAAAAAAAAZAAAAAEAAABAAAAAAAAAAAAAAAAAAAAAAAAAAAAAAAAAAAAAAAAAAAAAAAAAAAAAAAAAAAAAAAAAAAAAAAAAAAAAAAAAAAAAAAAAAAAAAAAAAAAAAAAAAAAAAAAAAAAAFAAAADwAAAAAAAAAAAAAAAAAAAkUAAAAAQAAABQAAAAUAAAAFAAAAAEAAAAAAAAAZAAAAGQAAAAAAAAAZAAAAGQAAAAVAAAAYAAAAAAAAAAAAAAADwAAACADAAAAAAAAAAAAAAEAAACgMgAAVgcAAKr4//8BAAAAf39/AAEAAABkAAAAAAAAABQAAABAHwAAAAAAACYAAAAAAAAAwOD//wAAAAAmAAAAZAAAABYAAABMAAAAAAAAAAAAAAAEAAAAAAAAAAEAAADn5uYKAAAAACgAAAAoAAAAZAAAAGQAAAAAAAAAzMzMAAAAAABQAAAAUAAAAGQAAABkAAAAAAAAABcAAAAUAAAAAAAAAAAAAAD/fwAA/38AAAAAAAAJAAAABAAAAF8AYAAeAAAAaAAAAAAAAAAAAAAAAAAAAAAAAAAAAAAAECcAABAnAAAAAAAAAAAAAAAAAAAAAAAAAAAAAAAAAAAAAAAAAAAAABQAAAAAAAAAwMD/AAAAAABkAAAAMgAAAAAAAABkAAAAAAAAAH9/fwAKAAAAIgAAABgAAAAAAAAAAAAAAAAAAAAAAAAAAAAAAAAAAAAkAAAAJAAAAAAAAAAHAAAAAAAAAAAAAAAAAAAAAAAAAAAAAAAAAAAAf39/ACUAAABYAAAAAAAAAAAAAAAAAAAAAAAAAAAAAAAAAAAAAAAAAAAAAAAAAAAAAAAAAAAAAAA/AAAAAAAAAKCGAQAAAAAAAAAAAAAAAAAMAAAAAQAAAAAAAAAAAAAAAAAAAB8AAABUAAAARHLEBf///wEAAAAAAAAAAAAAAAAAAAAAAAAAAAAAAAAAAAAAAAAAAAAAAAJ/f38A5+bmA8zMzADAwP8Af39/AAAAAAAAAAAAAAAAAAAAAAAAAAAAIQAAABgAAAAUAAAAOhIAAKcIAAAPOwAAGSkAABAgAAAmAAAACAAAAP//////////"/>
+                <pr:smNativeData xmlns:mc="http://schemas.openxmlformats.org/markup-compatibility/2006" xmlns:p14="http://schemas.microsoft.com/office/powerpoint/2010/main" xmlns:p15="http://schemas.microsoft.com/office/powerpoint/2012/main" xmlns:pr="smNativeData" xmlns="smNativeData" val="SMDATA_15_q5OGZBMAAAAlAAAAZAAAAE0AAAAAjgAAAEcAAACOAAAARwAAAAAAAAAAAAAAAAAAAAEAAABQAAAAAAAAAAAA4D8AAAAAAADgPwAAAAAAAOA/AAAAAAAA4D8AAAAAAADgPwAAAAAAAOA/AAAAAAAA4D8AAAAAAADgPwAAAAAAAOA/AAAAAAAA4D8CAAAAjAAAAAAAAAAAAAAARHLEDP///wgAAAAAAAAAAAAAAAAAAAAAAAAAAAAAAAAAAAAAZAAAAAEAAABAAAAAAAAAAAAAAAAAAAAAAAAAAAAAAAAAAAAAAAAAAAAAAAAAAAAAAAAAAAAAAAAAAAAAAAAAAAAAAAAAAAAAAAAAAAAAAAAAAAAAAAAAAAAAAAAAAAAAFAAAADwAAAAAAAAAAAAAAAAAAAkUAAAAAQAAABQAAAAUAAAAFAAAAAEAAAAAAAAAZAAAAGQAAAAAAAAAZAAAAGQAAAAVAAAAYAAAAAAAAAAAAAAADwAAACADAAAAAAAAAAAAAAEAAACgMgAAVgcAAKr4//8BAAAAf39/AAEAAABkAAAAAAAAABQAAABAHwAAAAAAACYAAAAAAAAAwOD//wAAAAAmAAAAZAAAABYAAABMAAAAAAAAAAAAAAAEAAAAAAAAAAEAAADn5uYKAAAAACgAAAAoAAAAZAAAAGQAAAAAAAAAzMzMAAAAAABQAAAAUAAAAGQAAABkAAAAAAAAABcAAAAUAAAAAAAAAAAAAAD/fwAA/38AAAAAAAAJAAAABAAAAF8AYAAeAAAAaAAAAAAAAAAAAAAAAAAAAAAAAAAAAAAAECcAABAnAAAAAAAAAAAAAAAAAAAAAAAAAAAAAAAAAAAAAAAAAAAAABQAAAAAAAAAwMD/AAAAAABkAAAAMgAAAAAAAABkAAAAAAAAAH9/fwAKAAAAIgAAABgAAAAAAAAAAAAAAAAAAAAAAAAAAAAAAAAAAAAkAAAAJAAAAAAAAAAHAAAAAAAAAAAAAAAAAAAAAAAAAAAAAAAAAAAAf39/ACUAAABYAAAAAAAAAAAAAAAAAAAAAAAAAAAAAAAAAAAAAAAAAAAAAAAAAAAAAAAAAAAAAAA/AAAAAAAAAKCGAQAAAAAAAAAAAAAAAAAMAAAAAQAAAAAAAAAAAAAAAAAAAB8AAABUAAAARHLEBf///wEAAAAAAAAAAAAAAAAAAAAAAAAAAAAAAAAAAAAAAAAAAAAAAAJ/f38A5+bmA8zMzADAwP8Af39/AAAAAAAAAAAAAAAAAAAAAAAAAAAAIQAAABgAAAAUAAAAOhIAAKcIAAAPOwAAGSkAABAgAAAmAAAACAAAAP//////////"/>
               </a:ext>
             </a:extLst>
           </p:cNvSpPr>
@@ -12379,7 +12382,7 @@
           <p:cNvSpPr>
             <a:extLst>
               <a:ext uri="smNativeData">
-                <pr:smNativeData xmlns="smNativeData" xmlns:pr="smNativeData" xmlns:p15="http://schemas.microsoft.com/office/powerpoint/2012/main" xmlns:p14="http://schemas.microsoft.com/office/powerpoint/2010/main" xmlns:mc="http://schemas.openxmlformats.org/markup-compatibility/2006" val="SMDATA_15_q5OGZBMAAAAlAAAAZAAAAA0AAAAAjgAAAEcAAACOAAAARwAAAAAAAAABAAAAAAAAAAEAAABQAAAAAAAAAAAA4D8AAAAAAADgPwAAAAAAAOA/AAAAAAAA4D8AAAAAAADgPwAAAAAAAOA/AAAAAAAA4D8AAAAAAADgPwAAAAAAAOA/AAAAAAAA4D8CAAAAjAAAAAEAAAAAAAAAIis1AP///wgAAAAAAAAAAAAAAAAAAAAAAAAAAAAAAAAAAAAAZAAAAAEAAABAAAAAAAAAAAAAAAAAAAAAAAAAAAAAAAAAAAAAAAAAAAAAAAAAAAAAAAAAAAAAAAAAAAAAAAAAAAAAAAAAAAAAAAAAAAAAAAAAAAAAAAAAAAAAAAAAAAAAFAAAADwAAAABAAAAAAAAAOfm5gooAAAAAQAAABQAAAAUAAAAFAAAAAEAAAAAAAAAZAAAAGQAAAAAAAAAZAAAAGQAAAAVAAAAYAAAAAAAAAAAAAAADwAAACADAAAAAAAAAAAAAAEAAACgMgAAVgcAAKr4//8BAAAAf39/AAEAAABkAAAAAAAAABQAAABAHwAAAAAAACYAAAAAAAAAwOD//wAAAAAmAAAAZAAAABYAAABMAAAAAAAAAAAAAAAEAAAAAAAAAAEAAADn5uYKAAAAACgAAAAoAAAAZAAAAGQAAAAAAAAAzMzMAAAAAABQAAAAUAAAAGQAAABkAAAAAAAAABcAAAAUAAAAAAAAAAAAAAD/fwAA/38AAAAAAAAJAAAABAAAABcXFxceAAAAaAAAAAAAAAAAAAAAAAAAAAAAAAAAAAAAECcAABAnAAAAAAAAAAAAAAAAAAAAAAAAAAAAAAAAAAAAAAAAAAAAABQAAAAAAAAAwMD/AAAAAABkAAAAMgAAAAAAAABkAAAAAAAAAH9/fwAKAAAAIgAAABgAAAAAAAAAAAAAAAAAAAAAAAAAAAAAAAAAAAAkAAAAJAAAAAAAAAAHAAAAAAAAAAAAAAAAAAAAAAAAAAAAAAAAAAAAf39/ACUAAABYAAAAAAAAAAAAAAAAAAAAAAAAAAAAAAAAAAAAAAAAAAAAAAAAAAAAAAAAAAAAAAA/AAAAAAAAAKCGAQAAAAAAAAAAAAAAAAAMAAAAAQAAAAAAAAAAAAAAAAAAAB8AAABUAAAAIis1AP///wEAAAAAAAAAAAAAAAAAAAAAAAAAAAAAAAAAAAAAAAAAAOfm5gN/f38A5+bmA8zMzADAwP8Af39/AAAAAAAAAAAAAAAAAAAAAAAAAAAAIQAAABgAAAAUAAAAQhQAAEkBAAC9NgAARAUAABAAAAAmAAAACAAAAP//////////"/>
+                <pr:smNativeData xmlns:mc="http://schemas.openxmlformats.org/markup-compatibility/2006" xmlns:p14="http://schemas.microsoft.com/office/powerpoint/2010/main" xmlns:p15="http://schemas.microsoft.com/office/powerpoint/2012/main" xmlns:pr="smNativeData" xmlns="smNativeData" val="SMDATA_15_q5OGZBMAAAAlAAAAZAAAAA0AAAAAjgAAAEcAAACOAAAARwAAAAAAAAABAAAAAAAAAAEAAABQAAAAAAAAAAAA4D8AAAAAAADgPwAAAAAAAOA/AAAAAAAA4D8AAAAAAADgPwAAAAAAAOA/AAAAAAAA4D8AAAAAAADgPwAAAAAAAOA/AAAAAAAA4D8CAAAAjAAAAAEAAAAAAAAAIis1AP///wgAAAAAAAAAAAAAAAAAAAAAAAAAAAAAAAAAAAAAZAAAAAEAAABAAAAAAAAAAAAAAAAAAAAAAAAAAAAAAAAAAAAAAAAAAAAAAAAAAAAAAAAAAAAAAAAAAAAAAAAAAAAAAAAAAAAAAAAAAAAAAAAAAAAAAAAAAAAAAAAAAAAAFAAAADwAAAABAAAAAAAAAOfm5gooAAAAAQAAABQAAAAUAAAAFAAAAAEAAAAAAAAAZAAAAGQAAAAAAAAAZAAAAGQAAAAVAAAAYAAAAAAAAAAAAAAADwAAACADAAAAAAAAAAAAAAEAAACgMgAAVgcAAKr4//8BAAAAf39/AAEAAABkAAAAAAAAABQAAABAHwAAAAAAACYAAAAAAAAAwOD//wAAAAAmAAAAZAAAABYAAABMAAAAAAAAAAAAAAAEAAAAAAAAAAEAAADn5uYKAAAAACgAAAAoAAAAZAAAAGQAAAAAAAAAzMzMAAAAAABQAAAAUAAAAGQAAABkAAAAAAAAABcAAAAUAAAAAAAAAAAAAAD/fwAA/38AAAAAAAAJAAAABAAAABcXFxceAAAAaAAAAAAAAAAAAAAAAAAAAAAAAAAAAAAAECcAABAnAAAAAAAAAAAAAAAAAAAAAAAAAAAAAAAAAAAAAAAAAAAAABQAAAAAAAAAwMD/AAAAAABkAAAAMgAAAAAAAABkAAAAAAAAAH9/fwAKAAAAIgAAABgAAAAAAAAAAAAAAAAAAAAAAAAAAAAAAAAAAAAkAAAAJAAAAAAAAAAHAAAAAAAAAAAAAAAAAAAAAAAAAAAAAAAAAAAAf39/ACUAAABYAAAAAAAAAAAAAAAAAAAAAAAAAAAAAAAAAAAAAAAAAAAAAAAAAAAAAAAAAAAAAAA/AAAAAAAAAKCGAQAAAAAAAAAAAAAAAAAMAAAAAQAAAAAAAAAAAAAAAAAAAB8AAABUAAAAIis1AP///wEAAAAAAAAAAAAAAAAAAAAAAAAAAAAAAAAAAAAAAAAAAOfm5gN/f38A5+bmA8zMzADAwP8Af39/AAAAAAAAAAAAAAAAAAAAAAAAAAAAIQAAABgAAAAUAAAAQhQAAEkBAAC9NgAARAUAABAAAAAmAAAACAAAAP//////////"/>
               </a:ext>
             </a:extLst>
           </p:cNvSpPr>
@@ -12474,7 +12477,7 @@
           <p:cNvSpPr>
             <a:extLst>
               <a:ext uri="smNativeData">
-                <pr:smNativeData xmlns="smNativeData" xmlns:pr="smNativeData" xmlns:p15="http://schemas.microsoft.com/office/powerpoint/2012/main" xmlns:p14="http://schemas.microsoft.com/office/powerpoint/2010/main" xmlns:mc="http://schemas.openxmlformats.org/markup-compatibility/2006" val="SMDATA_15_q5OGZBMAAAAlAAAAqgAAAA0AAAAAkAAAAEgAAACQAAAASAAAAAAAAAAAAAAAAAAAAAEAAABQAAAAda9fBcX/xz8AAAAAAADgPwAAAAAAAOA/AAAAAAAA4D8AAAAAAADgPwAAAAAAAOA/AAAAAAAA4D8AAAAAAADgPwAAAAAAAOA/AAAAAAAA4D8CAAAAjAAAAAEAAAAAAAAANEBQAP///wgAAAAAAAAAAAAAAAAAAAAAAAAAAAAAAAAAAAAAZAAAAAEAAABAAAAAAAAAAAAAAAAAAAAAAAAAAAAAAAAAAAAAAAAAAAAAAAAAAAAAAAAAAAAAAAAAAAAAAAAAAAAAAAAAAAAAAAAAAAAAAAAAAAAAAAAAAAAAAAAAAAAAFAAAADwAAAABAAAAAAAAAP///wgoAAAAAQAAABQAAAAUAAAAFAAAAAEAAAAAAAAAZAAAAGQAAAAAAAAAZAAAAGQAAAAVAAAAYAAAAAAAAAAAAAAADwAAACADAAAAAAAAAAAAAAEAAACgMgAAVgcAAKr4//8BAAAAf39/AAEAAABkAAAAAAAAABQAAABAHwAAAAAAACYAAAAAAAAAwOD//wAAAAAmAAAAZAAAABYAAABMAAAAAAAAAAAAAAAEAAAAAAAAAAEAAADn5uYKAAAAACgAAAAoAAAAZAAAAGQAAAAAAAAAzMzMAAAAAABQAAAAUAAAAGQAAABkAAAAAAAAABcAAAAUAAAAAAAAAAAAAAD/fwAA/38AAAAAAAAJAAAABAAAAAYAAAAeAAAAaAAAAAAAAAAAAAAAAAAAAAAAAAAAAAAAECcAABAnAAAAAAAAAAAAAAAAAAAAAAAAAAAAAAAAAAAAAAAAAAAAABQAAAAAAAAAwMD/AAAAAABkAAAAMgAAAAAAAABkAAAAAAAAAH9/fwAKAAAAIgAAABgAAAAAAAAAAAAAAAAAAAAAAAAAAAAAAAAAAAAkAAAAJAAAAAAAAAAHAAAAAAAAAAAAAAAAAAAAAAAAAAAAAAAAAAAAf39/ACUAAABYAAAAAAAAAAAAAAAAAAAAAAAAAAAAAAAAAAAAAAAAAAAAAAAAAAAAAAAAAAAAAAA/AAAAAAAAAKCGAQAAAAAAAAAAAAAAAAAMAAAAAQAAAAAAAAAAAAAAAAAAAB8AAABUAAAANEBQAP///wEAAAAAAAAAAAAAAAAAAAAAAAAAAAAAAAAAAAAAAAAAAP///wF/f38A5+bmA8zMzADAwP8Af39/AAAAAAAAAAAAAAAAAAAAAAAAAAAAIQAAABgAAAAUAAAAAAAAAAAAAAD/SgAALyoAABAAAAAmAAAACAAAAP//////////"/>
+                <pr:smNativeData xmlns:mc="http://schemas.openxmlformats.org/markup-compatibility/2006" xmlns:p14="http://schemas.microsoft.com/office/powerpoint/2010/main" xmlns:p15="http://schemas.microsoft.com/office/powerpoint/2012/main" xmlns:pr="smNativeData" xmlns="smNativeData" val="SMDATA_15_q5OGZBMAAAAlAAAAqgAAAA0AAAAAkAAAAEgAAACQAAAASAAAAAAAAAAAAAAAAAAAAAEAAABQAAAAda9fBcX/xz8AAAAAAADgPwAAAAAAAOA/AAAAAAAA4D8AAAAAAADgPwAAAAAAAOA/AAAAAAAA4D8AAAAAAADgPwAAAAAAAOA/AAAAAAAA4D8CAAAAjAAAAAEAAAAAAAAANEBQAP///wgAAAAAAAAAAAAAAAAAAAAAAAAAAAAAAAAAAAAAZAAAAAEAAABAAAAAAAAAAAAAAAAAAAAAAAAAAAAAAAAAAAAAAAAAAAAAAAAAAAAAAAAAAAAAAAAAAAAAAAAAAAAAAAAAAAAAAAAAAAAAAAAAAAAAAAAAAAAAAAAAAAAAFAAAADwAAAABAAAAAAAAAP///wgoAAAAAQAAABQAAAAUAAAAFAAAAAEAAAAAAAAAZAAAAGQAAAAAAAAAZAAAAGQAAAAVAAAAYAAAAAAAAAAAAAAADwAAACADAAAAAAAAAAAAAAEAAACgMgAAVgcAAKr4//8BAAAAf39/AAEAAABkAAAAAAAAABQAAABAHwAAAAAAACYAAAAAAAAAwOD//wAAAAAmAAAAZAAAABYAAABMAAAAAAAAAAAAAAAEAAAAAAAAAAEAAADn5uYKAAAAACgAAAAoAAAAZAAAAGQAAAAAAAAAzMzMAAAAAABQAAAAUAAAAGQAAABkAAAAAAAAABcAAAAUAAAAAAAAAAAAAAD/fwAA/38AAAAAAAAJAAAABAAAAAYAAAAeAAAAaAAAAAAAAAAAAAAAAAAAAAAAAAAAAAAAECcAABAnAAAAAAAAAAAAAAAAAAAAAAAAAAAAAAAAAAAAAAAAAAAAABQAAAAAAAAAwMD/AAAAAABkAAAAMgAAAAAAAABkAAAAAAAAAH9/fwAKAAAAIgAAABgAAAAAAAAAAAAAAAAAAAAAAAAAAAAAAAAAAAAkAAAAJAAAAAAAAAAHAAAAAAAAAAAAAAAAAAAAAAAAAAAAAAAAAAAAf39/ACUAAABYAAAAAAAAAAAAAAAAAAAAAAAAAAAAAAAAAAAAAAAAAAAAAAAAAAAAAAAAAAAAAAA/AAAAAAAAAKCGAQAAAAAAAAAAAAAAAAAMAAAAAQAAAAAAAAAAAAAAAAAAAB8AAABUAAAANEBQAP///wEAAAAAAAAAAAAAAAAAAAAAAAAAAAAAAAAAAAAAAAAAAP///wF/f38A5+bmA8zMzADAwP8Af39/AAAAAAAAAAAAAAAAAAAAAAAAAAAAIQAAABgAAAAUAAAAAAAAAAAAAAD/SgAALyoAABAAAAAmAAAACAAAAP//////////"/>
               </a:ext>
             </a:extLst>
           </p:cNvSpPr>
@@ -12510,7 +12513,7 @@
           <p:cNvSpPr>
             <a:extLst>
               <a:ext uri="smNativeData">
-                <pr:smNativeData xmlns="smNativeData" xmlns:pr="smNativeData" xmlns:p15="http://schemas.microsoft.com/office/powerpoint/2012/main" xmlns:p14="http://schemas.microsoft.com/office/powerpoint/2010/main" xmlns:mc="http://schemas.openxmlformats.org/markup-compatibility/2006" val="SMDATA_15_q5OGZBMAAAAlAAAAZAAAAA0AAAAAjgAAAEcAAACOAAAARwAAAAAAAAABAAAAAAAAAAEAAABQAAAAAAAAAAAA4D8AAAAAAADgPwAAAAAAAOA/AAAAAAAA4D8AAAAAAADgPwAAAAAAAOA/AAAAAAAA4D8AAAAAAADgPwAAAAAAAOA/AAAAAAAA4D8CAAAAjAAAAAEAAAAAAAAAIis1AP///wgAAAAAAAAAAAAAAAAAAAAAAAAAAAAAAAAAAAAAZAAAAAEAAABAAAAAAAAAAAAAAAAAAAAAAAAAAAAAAAAAAAAAAAAAAAAAAAAAAAAAAAAAAAAAAAAAAAAAAAAAAAAAAAAAAAAAAAAAAAAAAAAAAAAAAAAAAAAAAAAAAAAAFAAAADwAAAABAAAAAAAAAOfm5gooAAAAAQAAABQAAAAUAAAAFAAAAAEAAAAAAAAAZAAAAGQAAAAAAAAAZAAAAGQAAAAVAAAAYAAAAAAAAAAAAAAADwAAACADAAAAAAAAAAAAAAEAAACgMgAAVgcAAKr4//8BAAAAf39/AAEAAABkAAAAAAAAABQAAABAHwAAAAAAACYAAAAAAAAAwOD//wAAAAAmAAAAZAAAABYAAABMAAAAAAAAAAAAAAAEAAAAAAAAAAEAAADn5uYKAAAAACgAAAAoAAAAZAAAAGQAAAAAAAAAzMzMAAAAAABQAAAAUAAAAGQAAABkAAAAAAAAABcAAAAUAAAAAAAAAAAAAAD/fwAA/38AAAAAAAAJAAAABAAAAPCCgqMeAAAAaAAAAAAAAAAAAAAAAAAAAAAAAAAAAAAAECcAABAnAAAAAAAAAAAAAAAAAAAAAAAAAAAAAAAAAAAAAAAAAAAAABQAAAAAAAAAwMD/AAAAAABkAAAAMgAAAAAAAABkAAAAAAAAAH9/fwAKAAAAIgAAABgAAAAAAAAAAAAAAAAAAAAAAAAAAAAAAAAAAAAkAAAAJAAAAAAAAAAHAAAAAAAAAAAAAAAAAAAAAAAAAAAAAAAAAAAAf39/ACUAAABYAAAAAAAAAAAAAAAAAAAAAAAAAAAAAAAAAAAAAAAAAAAAAAAAAAAAAAAAAAAAAAA/AAAAAAAAAKCGAQAAAAAAAAAAAAAAAAAMAAAAAQAAAAAAAAAAAAAAAAAAAB8AAABUAAAAIis1AP///wEAAAAAAAAAAAAAAAAAAAAAAAAAAAAAAAAAAAAAAAAAAOfm5gN/f38A5+bmA8zMzADAwP8Af39/AAAAAAAAAAAAAAAAAAAAAAAAAAAAIQAAABgAAAAUAAAAQhQAAEkBAAC9NgAARAUAABAAAAAmAAAACAAAAP//////////"/>
+                <pr:smNativeData xmlns:mc="http://schemas.openxmlformats.org/markup-compatibility/2006" xmlns:p14="http://schemas.microsoft.com/office/powerpoint/2010/main" xmlns:p15="http://schemas.microsoft.com/office/powerpoint/2012/main" xmlns:pr="smNativeData" xmlns="smNativeData" val="SMDATA_15_q5OGZBMAAAAlAAAAZAAAAA0AAAAAjgAAAEcAAACOAAAARwAAAAAAAAABAAAAAAAAAAEAAABQAAAAAAAAAAAA4D8AAAAAAADgPwAAAAAAAOA/AAAAAAAA4D8AAAAAAADgPwAAAAAAAOA/AAAAAAAA4D8AAAAAAADgPwAAAAAAAOA/AAAAAAAA4D8CAAAAjAAAAAEAAAAAAAAAIis1AP///wgAAAAAAAAAAAAAAAAAAAAAAAAAAAAAAAAAAAAAZAAAAAEAAABAAAAAAAAAAAAAAAAAAAAAAAAAAAAAAAAAAAAAAAAAAAAAAAAAAAAAAAAAAAAAAAAAAAAAAAAAAAAAAAAAAAAAAAAAAAAAAAAAAAAAAAAAAAAAAAAAAAAAFAAAADwAAAABAAAAAAAAAOfm5gooAAAAAQAAABQAAAAUAAAAFAAAAAEAAAAAAAAAZAAAAGQAAAAAAAAAZAAAAGQAAAAVAAAAYAAAAAAAAAAAAAAADwAAACADAAAAAAAAAAAAAAEAAACgMgAAVgcAAKr4//8BAAAAf39/AAEAAABkAAAAAAAAABQAAABAHwAAAAAAACYAAAAAAAAAwOD//wAAAAAmAAAAZAAAABYAAABMAAAAAAAAAAAAAAAEAAAAAAAAAAEAAADn5uYKAAAAACgAAAAoAAAAZAAAAGQAAAAAAAAAzMzMAAAAAABQAAAAUAAAAGQAAABkAAAAAAAAABcAAAAUAAAAAAAAAAAAAAD/fwAA/38AAAAAAAAJAAAABAAAAPCCgqMeAAAAaAAAAAAAAAAAAAAAAAAAAAAAAAAAAAAAECcAABAnAAAAAAAAAAAAAAAAAAAAAAAAAAAAAAAAAAAAAAAAAAAAABQAAAAAAAAAwMD/AAAAAABkAAAAMgAAAAAAAABkAAAAAAAAAH9/fwAKAAAAIgAAABgAAAAAAAAAAAAAAAAAAAAAAAAAAAAAAAAAAAAkAAAAJAAAAAAAAAAHAAAAAAAAAAAAAAAAAAAAAAAAAAAAAAAAAAAAf39/ACUAAABYAAAAAAAAAAAAAAAAAAAAAAAAAAAAAAAAAAAAAAAAAAAAAAAAAAAAAAAAAAAAAAA/AAAAAAAAAKCGAQAAAAAAAAAAAAAAAAAMAAAAAQAAAAAAAAAAAAAAAAAAAB8AAABUAAAAIis1AP///wEAAAAAAAAAAAAAAAAAAAAAAAAAAAAAAAAAAAAAAAAAAOfm5gN/f38A5+bmA8zMzADAwP8Af39/AAAAAAAAAAAAAAAAAAAAAAAAAAAAIQAAABgAAAAUAAAAQhQAAEkBAAC9NgAARAUAABAAAAAmAAAACAAAAP//////////"/>
               </a:ext>
             </a:extLst>
           </p:cNvSpPr>
@@ -12572,7 +12575,7 @@
           <p:cNvPicPr>
             <a:extLst>
               <a:ext uri="smNativeData">
-                <pr:smNativeData xmlns="smNativeData" xmlns:pr="smNativeData" xmlns:p15="http://schemas.microsoft.com/office/powerpoint/2012/main" xmlns:p14="http://schemas.microsoft.com/office/powerpoint/2010/main" xmlns:mc="http://schemas.openxmlformats.org/markup-compatibility/2006" val="SMDATA_17_q5OGZBMAAAAlAAAAEQAAAA0AAAAAkAAAAEgAAACQAAAASAAAAAAAAAAAAAAAAAAAAAEAAABQAAAAAAAAAAAA4D8AAAAAAADgPwAAAAAAAOA/AAAAAAAA4D8AAAAAAADgPwAAAAAAAOA/AAAAAAAA4D8AAAAAAADgPwAAAAAAAOA/AAAAAAAA4D8CAAAAjAAAAAAAAAAAAAAARHLEDP///wgAAAAAAAAAAAAAAAAAAAAAAAAAAAAAAAAAAAAAZAAAAAEAAABAAAAAAAAAAAAAAAAAAAAAAAAAAAAAAAAAAAAAAAAAAAAAAAAAAAAAAAAAAAAAAAAAAAAAAAAAAAAAAAAAAAAAAAAAAAAAAAAAAAAAAAAAAAAAAAAAAAAAFAAAADwAAAAAAAAAAAAAAAAAAAkUAAAAAQAAABQAAAAUAAAAFAAAAAEAAAAAAAAAZAAAAGQAAAAAAAAAZAAAAGQAAAAVAAAAYAAAAAAAAAAAAAAADwAAACADAAAAAAAAAAAAAAEAAACgMgAAVgcAAKr4//8BAAAAf39/AAEAAABkAAAAAAAAABQAAABAHwAAAAAAACYAAAAAAAAAwOD//wAAAAAmAAAAZAAAABYAAABMAAAAAAAAAAAAAAAEAAAAAAAAAAEAAADn5uYKAAAAACgAAAAoAAAAZAAAAGQAAAAAAAAAzMzMAAAAAABQAAAAUAAAAGQAAABkAAAAAAAAAAcAAAA4AAAAAAAAAAAAAAAAAAAA////AAAAAAAAAAAAAAAAAAAAAAAAAAAAAAAAAAAAAABkAAAAZAAAAAAAAAAjAAAABAAAAGQAAAAXAAAAFAAAAAAAAAAAAAAA/38AAP9/AAAAAAAACQAAAAQAAAAJAAAAHgAAAGgAAAAAAAAAAAAAAAAAAAAAAAAAAAAAABAnAAAQJwAAAAAAAAAAAAAAAAAAAAAAAAAAAAAAAAAAAAAAAAAAAAAUAAAAAAAAAMDA/wAAAAAAZAAAADIAAAAAAAAAZAAAAAAAAAB/f38ACgAAACIAAAAYAAAAAAAAAAAAAAAAAAAAAAAAAAAAAAAAAAAAJAAAACQAAAAAAAAABwAAAAAAAAAAAAAAAAAAAAAAAAAAAAAAAAAAAH9/fwAlAAAAWAAAAAAAAAAAAAAAAAAAAAAAAAAAAAAAAAAAAAAAAAAAAAAAAAAAAAAAAAAAAAAAPwAAAAAAAACghgEAAAAAAAAAAAAAAAAADAAAAAEAAAAAAAAAAAAAAAAAAAAfAAAAVAAAAERyxAX///8BAAAAAAAAAAAAAAAAAAAAAAAAAAAAAAAAAAAAAAAAAAAAAAACf39/AOfm5gPMzMwAwMD/AH9/fwAAAAAAAAAAAAAAAAD///8AAAAAACEAAAAYAAAAFAAAADsWAABbBwAAxDQAAPkmAAAQAAAAJgAAAAgAAAD//////////w=="/>
+                <pr:smNativeData xmlns:mc="http://schemas.openxmlformats.org/markup-compatibility/2006" xmlns:p14="http://schemas.microsoft.com/office/powerpoint/2010/main" xmlns:p15="http://schemas.microsoft.com/office/powerpoint/2012/main" xmlns:pr="smNativeData" xmlns="smNativeData" val="SMDATA_17_q5OGZBMAAAAlAAAAEQAAAA0AAAAAkAAAAEgAAACQAAAASAAAAAAAAAAAAAAAAAAAAAEAAABQAAAAAAAAAAAA4D8AAAAAAADgPwAAAAAAAOA/AAAAAAAA4D8AAAAAAADgPwAAAAAAAOA/AAAAAAAA4D8AAAAAAADgPwAAAAAAAOA/AAAAAAAA4D8CAAAAjAAAAAAAAAAAAAAARHLEDP///wgAAAAAAAAAAAAAAAAAAAAAAAAAAAAAAAAAAAAAZAAAAAEAAABAAAAAAAAAAAAAAAAAAAAAAAAAAAAAAAAAAAAAAAAAAAAAAAAAAAAAAAAAAAAAAAAAAAAAAAAAAAAAAAAAAAAAAAAAAAAAAAAAAAAAAAAAAAAAAAAAAAAAFAAAADwAAAAAAAAAAAAAAAAAAAkUAAAAAQAAABQAAAAUAAAAFAAAAAEAAAAAAAAAZAAAAGQAAAAAAAAAZAAAAGQAAAAVAAAAYAAAAAAAAAAAAAAADwAAACADAAAAAAAAAAAAAAEAAACgMgAAVgcAAKr4//8BAAAAf39/AAEAAABkAAAAAAAAABQAAABAHwAAAAAAACYAAAAAAAAAwOD//wAAAAAmAAAAZAAAABYAAABMAAAAAAAAAAAAAAAEAAAAAAAAAAEAAADn5uYKAAAAACgAAAAoAAAAZAAAAGQAAAAAAAAAzMzMAAAAAABQAAAAUAAAAGQAAABkAAAAAAAAAAcAAAA4AAAAAAAAAAAAAAAAAAAA////AAAAAAAAAAAAAAAAAAAAAAAAAAAAAAAAAAAAAABkAAAAZAAAAAAAAAAjAAAABAAAAGQAAAAXAAAAFAAAAAAAAAAAAAAA/38AAP9/AAAAAAAACQAAAAQAAAAJAAAAHgAAAGgAAAAAAAAAAAAAAAAAAAAAAAAAAAAAABAnAAAQJwAAAAAAAAAAAAAAAAAAAAAAAAAAAAAAAAAAAAAAAAAAAAAUAAAAAAAAAMDA/wAAAAAAZAAAADIAAAAAAAAAZAAAAAAAAAB/f38ACgAAACIAAAAYAAAAAAAAAAAAAAAAAAAAAAAAAAAAAAAAAAAAJAAAACQAAAAAAAAABwAAAAAAAAAAAAAAAAAAAAAAAAAAAAAAAAAAAH9/fwAlAAAAWAAAAAAAAAAAAAAAAAAAAAAAAAAAAAAAAAAAAAAAAAAAAAAAAAAAAAAAAAAAAAAAPwAAAAAAAACghgEAAAAAAAAAAAAAAAAADAAAAAEAAAAAAAAAAAAAAAAAAAAfAAAAVAAAAERyxAX///8BAAAAAAAAAAAAAAAAAAAAAAAAAAAAAAAAAAAAAAAAAAAAAAACf39/AOfm5gPMzMwAwMD/AH9/fwAAAAAAAAAAAAAAAAD///8AAAAAACEAAAAYAAAAFAAAADsWAABbBwAAxDQAAPkmAAAQAAAAJgAAAAgAAAD//////////w=="/>
               </a:ext>
             </a:extLst>
           </p:cNvPicPr>
@@ -12605,7 +12608,7 @@
           <p:cNvSpPr>
             <a:extLst>
               <a:ext uri="smNativeData">
-                <pr:smNativeData xmlns="smNativeData" xmlns:pr="smNativeData" xmlns:p15="http://schemas.microsoft.com/office/powerpoint/2012/main" xmlns:p14="http://schemas.microsoft.com/office/powerpoint/2010/main" xmlns:mc="http://schemas.openxmlformats.org/markup-compatibility/2006" val="SMDATA_15_q5OGZBMAAAAlAAAAZAAAAE0AAAAAkAAAAEgAAACQAAAASAAAAAAAAAAAAAAAAAAAAAEAAABQAAAAAAAAAAAA4D8AAAAAAADgPwAAAAAAAOA/AAAAAAAA4D8AAAAAAADgPwAAAAAAAOA/AAAAAAAA4D8AAAAAAADgPwAAAAAAAOA/AAAAAAAA4D8CAAAAjAAAAAAAAAAAAAAARHLEDP///wgAAAAAAAAAAAAAAAAAAAAAAAAAAAAAAAAAAAAAZAAAAAEAAABAAAAAAAAAAAAAAAAAAAAAAAAAAAAAAAAAAAAAAAAAAAAAAAAAAAAAAAAAAAAAAAAAAAAAAAAAAAAAAAAAAAAAAAAAAAAAAAAAAAAAAAAAAAAAAAAAAAAAFAAAADwAAAAAAAAAAAAAAAAAAAAPAAAAAQAAACMAAAAjAAAAIwAAAB4AAAAAAAAAZAAAAGQAAAAAAAAAZAAAAGQAAAAVAAAAYAAAAAAAAAAAAAAADwAAACADAAAAAAAAAAAAAAEAAACgMgAAVgcAAKr4//8BAAAAf39/AAEAAABkAAAAAAAAABQAAABAHwAAAAAAACYAAAAAAAAAwOD//wAAAAAmAAAAZAAAABYAAABMAAAAAAAAAAAAAAAEAAAAAAAAAAEAAADn5uYKAAAAACgAAAAoAAAAZAAAAGQAAAAAAAAAzMzMAAAAAABQAAAAUAAAAGQAAABkAAAAAAAAABcAAAAUAAAAAAAAAAAAAAD/fwAA/38AAAAAAAAJAAAABAAAAF8AYAAeAAAAaAAAAAAAAAAAAAAAAAAAAAAAAAAAAAAAECcAABAnAAAAAAAAAAAAAAAAAAAAAAAAAAAAAAAAAAAAAAAAAAAAABQAAAAAAAAAwMD/AAAAAABkAAAAMgAAAAAAAABkAAAAAAAAAH9/fwAKAAAAIgAAABgAAAAAAAAAAAAAAAAAAAAAAAAAAAAAAAAAAAAkAAAAJAAAAAAAAAAHAAAAAAAAAAAAAAAAAAAAAAAAAAAAAAAAAAAAf39/ACUAAABYAAAAAAAAAAAAAAAAAAAAAAAAAAAAAAAAAAAAAAAAAAAAAAAAAAAAAAAAAAAAAAA/AAAAAAAAAKCGAQAAAAAAAAAAAAAAAAAMAAAAAQAAAAAAAAAAAAAAAAAAAB8AAABUAAAARHLEBf///wEAAAAAAAAAAAAAAAAAAAAAAAAAAAAAAAAAAAAAAAAAAAAAAAB/f38A5+bmA8zMzADAwP8Af39/AAAAAAAAAAAAAAAAAAAAAAAAAAAAIQAAABgAAAAUAAAAYwQAAFsHAADYEQAAtgsAABAgAAAmAAAACAAAAP//////////"/>
+                <pr:smNativeData xmlns:mc="http://schemas.openxmlformats.org/markup-compatibility/2006" xmlns:p14="http://schemas.microsoft.com/office/powerpoint/2010/main" xmlns:p15="http://schemas.microsoft.com/office/powerpoint/2012/main" xmlns:pr="smNativeData" xmlns="smNativeData" val="SMDATA_15_q5OGZBMAAAAlAAAAZAAAAE0AAAAAkAAAAEgAAACQAAAASAAAAAAAAAAAAAAAAAAAAAEAAABQAAAAAAAAAAAA4D8AAAAAAADgPwAAAAAAAOA/AAAAAAAA4D8AAAAAAADgPwAAAAAAAOA/AAAAAAAA4D8AAAAAAADgPwAAAAAAAOA/AAAAAAAA4D8CAAAAjAAAAAAAAAAAAAAARHLEDP///wgAAAAAAAAAAAAAAAAAAAAAAAAAAAAAAAAAAAAAZAAAAAEAAABAAAAAAAAAAAAAAAAAAAAAAAAAAAAAAAAAAAAAAAAAAAAAAAAAAAAAAAAAAAAAAAAAAAAAAAAAAAAAAAAAAAAAAAAAAAAAAAAAAAAAAAAAAAAAAAAAAAAAFAAAADwAAAAAAAAAAAAAAAAAAAAPAAAAAQAAACMAAAAjAAAAIwAAAB4AAAAAAAAAZAAAAGQAAAAAAAAAZAAAAGQAAAAVAAAAYAAAAAAAAAAAAAAADwAAACADAAAAAAAAAAAAAAEAAACgMgAAVgcAAKr4//8BAAAAf39/AAEAAABkAAAAAAAAABQAAABAHwAAAAAAACYAAAAAAAAAwOD//wAAAAAmAAAAZAAAABYAAABMAAAAAAAAAAAAAAAEAAAAAAAAAAEAAADn5uYKAAAAACgAAAAoAAAAZAAAAGQAAAAAAAAAzMzMAAAAAABQAAAAUAAAAGQAAABkAAAAAAAAABcAAAAUAAAAAAAAAAAAAAD/fwAA/38AAAAAAAAJAAAABAAAAF8AYAAeAAAAaAAAAAAAAAAAAAAAAAAAAAAAAAAAAAAAECcAABAnAAAAAAAAAAAAAAAAAAAAAAAAAAAAAAAAAAAAAAAAAAAAABQAAAAAAAAAwMD/AAAAAABkAAAAMgAAAAAAAABkAAAAAAAAAH9/fwAKAAAAIgAAABgAAAAAAAAAAAAAAAAAAAAAAAAAAAAAAAAAAAAkAAAAJAAAAAAAAAAHAAAAAAAAAAAAAAAAAAAAAAAAAAAAAAAAAAAAf39/ACUAAABYAAAAAAAAAAAAAAAAAAAAAAAAAAAAAAAAAAAAAAAAAAAAAAAAAAAAAAAAAAAAAAA/AAAAAAAAAKCGAQAAAAAAAAAAAAAAAAAMAAAAAQAAAAAAAAAAAAAAAAAAAB8AAABUAAAARHLEBf///wEAAAAAAAAAAAAAAAAAAAAAAAAAAAAAAAAAAAAAAAAAAAAAAAB/f38A5+bmA8zMzADAwP8Af39/AAAAAAAAAAAAAAAAAAAAAAAAAAAAIQAAABgAAAAUAAAAYwQAAFsHAADYEQAAtgsAABAgAAAmAAAACAAAAP//////////"/>
               </a:ext>
             </a:extLst>
           </p:cNvSpPr>
@@ -12686,7 +12689,7 @@
           <p:cNvSpPr>
             <a:extLst>
               <a:ext uri="smNativeData">
-                <pr:smNativeData xmlns="smNativeData" xmlns:pr="smNativeData" xmlns:p15="http://schemas.microsoft.com/office/powerpoint/2012/main" xmlns:p14="http://schemas.microsoft.com/office/powerpoint/2010/main" xmlns:mc="http://schemas.openxmlformats.org/markup-compatibility/2006" val="SMDATA_15_q5OGZBMAAAAlAAAAZAAAAA0AAAAAkAAAAEgAAACQAAAASAAAAAAAAAAAAAAAAAAAAAEAAABQAAAAAAAAAAAA4D8AAAAAAADgPwAAAAAAAOA/AAAAAAAA4D8AAAAAAADgPwAAAAAAAOA/AAAAAAAA4D8AAAAAAADgPwAAAAAAAOA/AAAAAAAA4D8CAAAAjAAAAAAAAAAAAAAARHLEDP///wgAAAAAAAAAAAAAAAAAAAAAAAAAAAAAAAAAAAAAZAAAAAEAAABAAAAAAAAAAAAAAAAAAAAAAAAAAAAAAAAAAAAAAAAAAAAAAAAAAAAAAAAAAAAAAAAAAAAAAAAAAAAAAAAAAAAAAAAAAAAAAAAAAAAAAAAAAAAAAAAAAAAAFAAAADwAAAAAAAAAAAAAAAAAAAkUAAAAAQAAABQAAAAUAAAAFAAAAAEAAAAAAAAAZAAAAGQAAAAAAAAAZAAAAGQAAAAVAAAAYAAAAAAAAAAAAAAADwAAACADAAAAAAAAAAAAAAEAAACgMgAAVgcAAKr4//8BAAAAf39/AAEAAABkAAAAAAAAABQAAABAHwAAAAAAACYAAAAAAAAAwOD//wAAAAAmAAAAZAAAABYAAABMAAAAAAAAAAAAAAAEAAAAAAAAAAEAAADn5uYKAAAAACgAAAAoAAAAZAAAAGQAAAAAAAAAzMzMAAAAAABQAAAAUAAAAGQAAABkAAAAAAAAABcAAAAUAAAAAAAAAAAAAAD/fwAA/38AAAAAAAAJAAAABAAAAF8AYAAeAAAAaAAAAAAAAAAAAAAAAAAAAAAAAAAAAAAAECcAABAnAAAAAAAAAAAAAAAAAAAAAAAAAAAAAAAAAAAAAAAAAAAAABQAAAAAAAAAwMD/AAAAAABkAAAAMgAAAAAAAABkAAAAAAAAAH9/fwAKAAAAIgAAABgAAAAAAAAAAAAAAAAAAAAAAAAAAAAAAAAAAAAkAAAAJAAAAAAAAAAHAAAAAAAAAAAAAAAAAAAAAAAAAAAAAAAAAAAAf39/ACUAAABYAAAAAAAAAAAAAAAAAAAAAAAAAAAAAAAAAAAAAAAAAAAAAAAAAAAAAAAAAAAAAAA/AAAAAAAAAKCGAQAAAAAAAAAAAAAAAAAMAAAAAQAAAAAAAAAAAAAAAAAAAB8AAABUAAAARHLEBf///wEAAAAAAAAAAAAAAAAAAAAAAAAAAAAAAAAAAAAAAAAAAAAAAAJ/f38A5+bmA8zMzADAwP8Af39/AAAAAAAAAAAAAAAAAAAAAAAAAAAAIQAAABgAAAAUAAAAKAUAAJ8BAADXRQAAxQkAABAAAAAmAAAACAAAAP//////////"/>
+                <pr:smNativeData xmlns:mc="http://schemas.openxmlformats.org/markup-compatibility/2006" xmlns:p14="http://schemas.microsoft.com/office/powerpoint/2010/main" xmlns:p15="http://schemas.microsoft.com/office/powerpoint/2012/main" xmlns:pr="smNativeData" xmlns="smNativeData" val="SMDATA_15_q5OGZBMAAAAlAAAAZAAAAA0AAAAAkAAAAEgAAACQAAAASAAAAAAAAAAAAAAAAAAAAAEAAABQAAAAAAAAAAAA4D8AAAAAAADgPwAAAAAAAOA/AAAAAAAA4D8AAAAAAADgPwAAAAAAAOA/AAAAAAAA4D8AAAAAAADgPwAAAAAAAOA/AAAAAAAA4D8CAAAAjAAAAAAAAAAAAAAARHLEDP///wgAAAAAAAAAAAAAAAAAAAAAAAAAAAAAAAAAAAAAZAAAAAEAAABAAAAAAAAAAAAAAAAAAAAAAAAAAAAAAAAAAAAAAAAAAAAAAAAAAAAAAAAAAAAAAAAAAAAAAAAAAAAAAAAAAAAAAAAAAAAAAAAAAAAAAAAAAAAAAAAAAAAAFAAAADwAAAAAAAAAAAAAAAAAAAkUAAAAAQAAABQAAAAUAAAAFAAAAAEAAAAAAAAAZAAAAGQAAAAAAAAAZAAAAGQAAAAVAAAAYAAAAAAAAAAAAAAADwAAACADAAAAAAAAAAAAAAEAAACgMgAAVgcAAKr4//8BAAAAf39/AAEAAABkAAAAAAAAABQAAABAHwAAAAAAACYAAAAAAAAAwOD//wAAAAAmAAAAZAAAABYAAABMAAAAAAAAAAAAAAAEAAAAAAAAAAEAAADn5uYKAAAAACgAAAAoAAAAZAAAAGQAAAAAAAAAzMzMAAAAAABQAAAAUAAAAGQAAABkAAAAAAAAABcAAAAUAAAAAAAAAAAAAAD/fwAA/38AAAAAAAAJAAAABAAAAF8AYAAeAAAAaAAAAAAAAAAAAAAAAAAAAAAAAAAAAAAAECcAABAnAAAAAAAAAAAAAAAAAAAAAAAAAAAAAAAAAAAAAAAAAAAAABQAAAAAAAAAwMD/AAAAAABkAAAAMgAAAAAAAABkAAAAAAAAAH9/fwAKAAAAIgAAABgAAAAAAAAAAAAAAAAAAAAAAAAAAAAAAAAAAAAkAAAAJAAAAAAAAAAHAAAAAAAAAAAAAAAAAAAAAAAAAAAAAAAAAAAAf39/ACUAAABYAAAAAAAAAAAAAAAAAAAAAAAAAAAAAAAAAAAAAAAAAAAAAAAAAAAAAAAAAAAAAAA/AAAAAAAAAKCGAQAAAAAAAAAAAAAAAAAMAAAAAQAAAAAAAAAAAAAAAAAAAB8AAABUAAAARHLEBf///wEAAAAAAAAAAAAAAAAAAAAAAAAAAAAAAAAAAAAAAAAAAAAAAAJ/f38A5+bmA8zMzADAwP8Af39/AAAAAAAAAAAAAAAAAAAAAAAAAAAAIQAAABgAAAAUAAAAKAUAAJ8BAADXRQAAxQkAABAAAAAmAAAACAAAAP//////////"/>
               </a:ext>
             </a:extLst>
           </p:cNvSpPr>
@@ -12713,7 +12716,7 @@
           <p:cNvSpPr>
             <a:extLst>
               <a:ext uri="smNativeData">
-                <pr:smNativeData xmlns="smNativeData" xmlns:pr="smNativeData" xmlns:p15="http://schemas.microsoft.com/office/powerpoint/2012/main" xmlns:p14="http://schemas.microsoft.com/office/powerpoint/2010/main" xmlns:mc="http://schemas.openxmlformats.org/markup-compatibility/2006" val="SMDATA_15_q5OGZBMAAAAlAAAAqgAAAA0AAAAAkAAAAEgAAACQAAAASAAAAAAAAAAAAAAAAAAAAAEAAABQAAAAda9fBcX/xz8AAAAAAADgPwAAAAAAAOA/AAAAAAAA4D8AAAAAAADgPwAAAAAAAOA/AAAAAAAA4D8AAAAAAADgPwAAAAAAAOA/AAAAAAAA4D8CAAAAjAAAAAEAAAAAAAAANEBQAP///wgAAAAAAAAAAAAAAAAAAAAAAAAAAAAAAAAAAAAAZAAAAAEAAABAAAAAAAAAAAAAAAAAAAAAAAAAAAAAAAAAAAAAAAAAAAAAAAAAAAAAAAAAAAAAAAAAAAAAAAAAAAAAAAAAAAAAAAAAAAAAAAAAAAAAAAAAAAAAAAAAAAAAFAAAADwAAAABAAAAAAAAAP///wgoAAAAAQAAABQAAAAUAAAAFAAAAAEAAAAAAAAAZAAAAGQAAAAAAAAAZAAAAGQAAAAVAAAAYAAAAAAAAAAAAAAADwAAACADAAAAAAAAAAAAAAEAAACgMgAAVgcAAKr4//8BAAAAf39/AAEAAABkAAAAAAAAABQAAABAHwAAAAAAACYAAAAAAAAAwOD//wAAAAAmAAAAZAAAABYAAABMAAAAAAAAAAAAAAAEAAAAAAAAAAEAAADn5uYKAAAAACgAAAAoAAAAZAAAAGQAAAAAAAAAzMzMAAAAAABQAAAAUAAAAGQAAABkAAAAAAAAABcAAAAUAAAAAAAAAAAAAAD/fwAA/38AAAAAAAAJAAAABAAAAAAAAAAeAAAAaAAAAAAAAAAAAAAAAAAAAAAAAAAAAAAAECcAABAnAAAAAAAAAAAAAAAAAAAAAAAAAAAAAAAAAAAAAAAAAAAAABQAAAAAAAAAwMD/AAAAAABkAAAAMgAAAAAAAABkAAAAAAAAAH9/fwAKAAAAIgAAABgAAAAAAAAAAAAAAAAAAAAAAAAAAAAAAAAAAAAkAAAAJAAAAAAAAAAHAAAAAAAAAAAAAAAAAAAAAAAAAAAAAAAAAAAAf39/ACUAAABYAAAAAAAAAAAAAAAAAAAAAAAAAAAAAAAAAAAAAAAAAAAAAAAAAAAAAAAAAAAAAAA/AAAAAAAAAKCGAQAAAAAAAAAAAAAAAAAMAAAAAQAAAAAAAAAAAAAAAAAAAB8AAABUAAAANEBQAP///wEAAAAAAAAAAAAAAAAAAAAAAAAAAAAAAAAAAAAAAAAAAP///wF/f38A5+bmA8zMzADAwP8Af39/AAAAAAAAAAAAAAAAAAAAAAAAAAAAIQAAABgAAAAUAAAAAAAAAAAAAAD/SgAALyoAABAAAAAmAAAACAAAAP//////////"/>
+                <pr:smNativeData xmlns:mc="http://schemas.openxmlformats.org/markup-compatibility/2006" xmlns:p14="http://schemas.microsoft.com/office/powerpoint/2010/main" xmlns:p15="http://schemas.microsoft.com/office/powerpoint/2012/main" xmlns:pr="smNativeData" xmlns="smNativeData" val="SMDATA_15_q5OGZBMAAAAlAAAAqgAAAA0AAAAAkAAAAEgAAACQAAAASAAAAAAAAAAAAAAAAAAAAAEAAABQAAAAda9fBcX/xz8AAAAAAADgPwAAAAAAAOA/AAAAAAAA4D8AAAAAAADgPwAAAAAAAOA/AAAAAAAA4D8AAAAAAADgPwAAAAAAAOA/AAAAAAAA4D8CAAAAjAAAAAEAAAAAAAAANEBQAP///wgAAAAAAAAAAAAAAAAAAAAAAAAAAAAAAAAAAAAAZAAAAAEAAABAAAAAAAAAAAAAAAAAAAAAAAAAAAAAAAAAAAAAAAAAAAAAAAAAAAAAAAAAAAAAAAAAAAAAAAAAAAAAAAAAAAAAAAAAAAAAAAAAAAAAAAAAAAAAAAAAAAAAFAAAADwAAAABAAAAAAAAAP///wgoAAAAAQAAABQAAAAUAAAAFAAAAAEAAAAAAAAAZAAAAGQAAAAAAAAAZAAAAGQAAAAVAAAAYAAAAAAAAAAAAAAADwAAACADAAAAAAAAAAAAAAEAAACgMgAAVgcAAKr4//8BAAAAf39/AAEAAABkAAAAAAAAABQAAABAHwAAAAAAACYAAAAAAAAAwOD//wAAAAAmAAAAZAAAABYAAABMAAAAAAAAAAAAAAAEAAAAAAAAAAEAAADn5uYKAAAAACgAAAAoAAAAZAAAAGQAAAAAAAAAzMzMAAAAAABQAAAAUAAAAGQAAABkAAAAAAAAABcAAAAUAAAAAAAAAAAAAAD/fwAA/38AAAAAAAAJAAAABAAAAAAAAAAeAAAAaAAAAAAAAAAAAAAAAAAAAAAAAAAAAAAAECcAABAnAAAAAAAAAAAAAAAAAAAAAAAAAAAAAAAAAAAAAAAAAAAAABQAAAAAAAAAwMD/AAAAAABkAAAAMgAAAAAAAABkAAAAAAAAAH9/fwAKAAAAIgAAABgAAAAAAAAAAAAAAAAAAAAAAAAAAAAAAAAAAAAkAAAAJAAAAAAAAAAHAAAAAAAAAAAAAAAAAAAAAAAAAAAAAAAAAAAAf39/ACUAAABYAAAAAAAAAAAAAAAAAAAAAAAAAAAAAAAAAAAAAAAAAAAAAAAAAAAAAAAAAAAAAAA/AAAAAAAAAKCGAQAAAAAAAAAAAAAAAAAMAAAAAQAAAAAAAAAAAAAAAAAAAB8AAABUAAAANEBQAP///wEAAAAAAAAAAAAAAAAAAAAAAAAAAAAAAAAAAAAAAAAAAP///wF/f38A5+bmA8zMzADAwP8Af39/AAAAAAAAAAAAAAAAAAAAAAAAAAAAIQAAABgAAAAUAAAAAAAAAAAAAAD/SgAALyoAABAAAAAmAAAACAAAAP//////////"/>
               </a:ext>
             </a:extLst>
           </p:cNvSpPr>
@@ -12749,7 +12752,7 @@
           <p:cNvSpPr>
             <a:extLst>
               <a:ext uri="smNativeData">
-                <pr:smNativeData xmlns="smNativeData" xmlns:pr="smNativeData" xmlns:p15="http://schemas.microsoft.com/office/powerpoint/2012/main" xmlns:p14="http://schemas.microsoft.com/office/powerpoint/2010/main" xmlns:mc="http://schemas.openxmlformats.org/markup-compatibility/2006" val="SMDATA_15_q5OGZBMAAAAlAAAAZAAAAE0AAAAAjgAAAEcAAACOAAAARwAAAAAAAAAAAAAAAAAAAAEAAABQAAAAAAAAAAAA4D8AAAAAAADgPwAAAAAAAOA/AAAAAAAA4D8AAAAAAADgPwAAAAAAAOA/AAAAAAAA4D8AAAAAAADgPwAAAAAAAOA/AAAAAAAA4D8CAAAAjAAAAAAAAAAAAAAARHLEDP///wgAAAAAAAAAAAAAAAAAAAAAAAAAAAAAAAAAAAAAZAAAAAEAAABAAAAAAAAAAAAAAAAAAAAAAAAAAAAAAAAAAAAAAAAAAAAAAAAAAAAAAAAAAAAAAAAAAAAAAAAAAAAAAAAAAAAAAAAAAAAAAAAAAAAAAAAAAAAAAAAAAAAAFAAAADwAAAAAAAAAAAAAAAAAAAkUAAAAAQAAABQAAAAUAAAAFAAAAAEAAAAAAAAAZAAAAGQAAAAAAAAAZAAAAGQAAAAVAAAAYAAAAAAAAAAAAAAADwAAACADAAAAAAAAAAAAAAEAAACgMgAAVgcAAKr4//8BAAAAf39/AAEAAABkAAAAAAAAABQAAABAHwAAAAAAACYAAAAAAAAAwOD//wAAAAAmAAAAZAAAABYAAABMAAAAAAAAAAAAAAAEAAAAAAAAAAEAAADn5uYKAAAAACgAAAAoAAAAZAAAAGQAAAAAAAAAzMzMAAAAAABQAAAAUAAAAGQAAABkAAAAAAAAABcAAAAUAAAAAAAAAAAAAAD/fwAA/38AAAAAAAAJAAAABAAAAF8AYAAeAAAAaAAAAAAAAAAAAAAAAAAAAAAAAAAAAAAAECcAABAnAAAAAAAAAAAAAAAAAAAAAAAAAAAAAAAAAAAAAAAAAAAAABQAAAAAAAAAwMD/AAAAAABkAAAAMgAAAAAAAABkAAAAAAAAAH9/fwAKAAAAIgAAABgAAAAAAAAAAAAAAAAAAAAAAAAAAAAAAAAAAAAkAAAAJAAAAAAAAAAHAAAAAAAAAAAAAAAAAAAAAAAAAAAAAAAAAAAAf39/ACUAAABYAAAAAAAAAAAAAAAAAAAAAAAAAAAAAAAAAAAAAAAAAAAAAAAAAAAAAAAAAAAAAAA/AAAAAAAAAKCGAQAAAAAAAAAAAAAAAAAMAAAAAQAAAAAAAAAAAAAAAAAAAB8AAABUAAAARHLEBf///wEAAAAAAAAAAAAAAAAAAAAAAAAAAAAAAAAAAAAAAAAAAAAAAAJ/f38A5+bmA8zMzADAwP8Af39/AAAAAAAAAAAAAAAAAAAAAAAAAAAAIQAAABgAAAAUAAAAWgEAAHAIAAAvKgAA/iMAABAgAAAmAAAACAAAAP//////////"/>
+                <pr:smNativeData xmlns:mc="http://schemas.openxmlformats.org/markup-compatibility/2006" xmlns:p14="http://schemas.microsoft.com/office/powerpoint/2010/main" xmlns:p15="http://schemas.microsoft.com/office/powerpoint/2012/main" xmlns:pr="smNativeData" xmlns="smNativeData" val="SMDATA_15_q5OGZBMAAAAlAAAAZAAAAE0AAAAAjgAAAEcAAACOAAAARwAAAAAAAAAAAAAAAAAAAAEAAABQAAAAAAAAAAAA4D8AAAAAAADgPwAAAAAAAOA/AAAAAAAA4D8AAAAAAADgPwAAAAAAAOA/AAAAAAAA4D8AAAAAAADgPwAAAAAAAOA/AAAAAAAA4D8CAAAAjAAAAAAAAAAAAAAARHLEDP///wgAAAAAAAAAAAAAAAAAAAAAAAAAAAAAAAAAAAAAZAAAAAEAAABAAAAAAAAAAAAAAAAAAAAAAAAAAAAAAAAAAAAAAAAAAAAAAAAAAAAAAAAAAAAAAAAAAAAAAAAAAAAAAAAAAAAAAAAAAAAAAAAAAAAAAAAAAAAAAAAAAAAAFAAAADwAAAAAAAAAAAAAAAAAAAkUAAAAAQAAABQAAAAUAAAAFAAAAAEAAAAAAAAAZAAAAGQAAAAAAAAAZAAAAGQAAAAVAAAAYAAAAAAAAAAAAAAADwAAACADAAAAAAAAAAAAAAEAAACgMgAAVgcAAKr4//8BAAAAf39/AAEAAABkAAAAAAAAABQAAABAHwAAAAAAACYAAAAAAAAAwOD//wAAAAAmAAAAZAAAABYAAABMAAAAAAAAAAAAAAAEAAAAAAAAAAEAAADn5uYKAAAAACgAAAAoAAAAZAAAAGQAAAAAAAAAzMzMAAAAAABQAAAAUAAAAGQAAABkAAAAAAAAABcAAAAUAAAAAAAAAAAAAAD/fwAA/38AAAAAAAAJAAAABAAAAF8AYAAeAAAAaAAAAAAAAAAAAAAAAAAAAAAAAAAAAAAAECcAABAnAAAAAAAAAAAAAAAAAAAAAAAAAAAAAAAAAAAAAAAAAAAAABQAAAAAAAAAwMD/AAAAAABkAAAAMgAAAAAAAABkAAAAAAAAAH9/fwAKAAAAIgAAABgAAAAAAAAAAAAAAAAAAAAAAAAAAAAAAAAAAAAkAAAAJAAAAAAAAAAHAAAAAAAAAAAAAAAAAAAAAAAAAAAAAAAAAAAAf39/ACUAAABYAAAAAAAAAAAAAAAAAAAAAAAAAAAAAAAAAAAAAAAAAAAAAAAAAAAAAAAAAAAAAAA/AAAAAAAAAKCGAQAAAAAAAAAAAAAAAAAMAAAAAQAAAAAAAAAAAAAAAAAAAB8AAABUAAAARHLEBf///wEAAAAAAAAAAAAAAAAAAAAAAAAAAAAAAAAAAAAAAAAAAAAAAAJ/f38A5+bmA8zMzADAwP8Af39/AAAAAAAAAAAAAAAAAAAAAAAAAAAAIQAAABgAAAAUAAAAWgEAAHAIAAAvKgAA/iMAABAgAAAmAAAACAAAAP//////////"/>
               </a:ext>
             </a:extLst>
           </p:cNvSpPr>
@@ -12783,7 +12786,7 @@
                 <a:cs typeface="DejaVu Sans" charset="0"/>
               </a:defRPr>
             </a:pPr>
-            <a:endParaRPr/>
+            <a:endParaRPr dirty="0"/>
           </a:p>
           <a:p>
             <a:pPr>
@@ -12797,7 +12800,7 @@
               </a:defRPr>
             </a:pPr>
             <a:r>
-              <a:rPr lang="pt-br" cap="none">
+              <a:rPr lang="pt-br" cap="none" dirty="0">
                 <a:solidFill>
                   <a:srgbClr val="D1D5DB"/>
                 </a:solidFill>
@@ -12805,7 +12808,29 @@
                 <a:ea typeface="DejaVu Sans" charset="0"/>
                 <a:cs typeface="DejaVu Sans" charset="0"/>
               </a:rPr>
-              <a:t>Objetos estáticos em JavaScript são membros de uma classe que pertencem à própria classe e não a instâncias individuais. Eles podem ser acessados diretamente usando o nome da classe e são compartilhados por todas as instâncias. São usados para dados ou funções compartilhadas. </a:t>
+              <a:t>Objetos estáticos em </a:t>
+            </a:r>
+            <a:r>
+              <a:rPr lang="pt-br" cap="none" dirty="0" err="1">
+                <a:solidFill>
+                  <a:srgbClr val="D1D5DB"/>
+                </a:solidFill>
+                <a:latin typeface="Söhne" charset="0"/>
+                <a:ea typeface="DejaVu Sans" charset="0"/>
+                <a:cs typeface="DejaVu Sans" charset="0"/>
+              </a:rPr>
+              <a:t>JavaScript</a:t>
+            </a:r>
+            <a:r>
+              <a:rPr lang="pt-br" cap="none" dirty="0">
+                <a:solidFill>
+                  <a:srgbClr val="D1D5DB"/>
+                </a:solidFill>
+                <a:latin typeface="Söhne" charset="0"/>
+                <a:ea typeface="DejaVu Sans" charset="0"/>
+                <a:cs typeface="DejaVu Sans" charset="0"/>
+              </a:rPr>
+              <a:t> são membros de uma classe que pertencem à própria classe e não a instâncias individuais. Eles podem ser acessados diretamente usando o nome da classe e são compartilhados por todas as instâncias. São usados para dados ou funções compartilhadas. </a:t>
             </a:r>
           </a:p>
           <a:p>
@@ -12819,7 +12844,7 @@
                 <a:cs typeface="DejaVu Sans" charset="0"/>
               </a:defRPr>
             </a:pPr>
-            <a:endParaRPr lang="pt-br" cap="none">
+            <a:endParaRPr lang="pt-br" cap="none" dirty="0">
               <a:solidFill>
                 <a:srgbClr val="D1D5DB"/>
               </a:solidFill>
@@ -12840,7 +12865,7 @@
               </a:defRPr>
             </a:pPr>
             <a:r>
-              <a:rPr lang="pt-br" cap="none">
+              <a:rPr lang="pt-br" cap="none" dirty="0">
                 <a:solidFill>
                   <a:srgbClr val="D1D5DB"/>
                 </a:solidFill>
@@ -12848,7 +12873,51 @@
                 <a:ea typeface="DejaVu Sans" charset="0"/>
                 <a:cs typeface="DejaVu Sans" charset="0"/>
               </a:rPr>
-              <a:t>Neste exemplo, contador é um objeto estático que conta o número de vezes que o método incrementarContador() é chamado. O método getContador() retorna o valor atual do contador. O acesso aos membros estáticos é feito diretamente usando o nome da classe, sem a necessidade de criar instâncias da classe.</a:t>
+              <a:t>Neste exemplo, contador é um objeto estático que conta o número de vezes que o método </a:t>
+            </a:r>
+            <a:r>
+              <a:rPr lang="pt-br" cap="none" dirty="0" err="1">
+                <a:solidFill>
+                  <a:srgbClr val="D1D5DB"/>
+                </a:solidFill>
+                <a:latin typeface="Söhne" charset="0"/>
+                <a:ea typeface="DejaVu Sans" charset="0"/>
+                <a:cs typeface="DejaVu Sans" charset="0"/>
+              </a:rPr>
+              <a:t>incrementarContador</a:t>
+            </a:r>
+            <a:r>
+              <a:rPr lang="pt-br" cap="none" dirty="0">
+                <a:solidFill>
+                  <a:srgbClr val="D1D5DB"/>
+                </a:solidFill>
+                <a:latin typeface="Söhne" charset="0"/>
+                <a:ea typeface="DejaVu Sans" charset="0"/>
+                <a:cs typeface="DejaVu Sans" charset="0"/>
+              </a:rPr>
+              <a:t>() é chamado. O método </a:t>
+            </a:r>
+            <a:r>
+              <a:rPr lang="pt-br" cap="none" dirty="0" err="1">
+                <a:solidFill>
+                  <a:srgbClr val="D1D5DB"/>
+                </a:solidFill>
+                <a:latin typeface="Söhne" charset="0"/>
+                <a:ea typeface="DejaVu Sans" charset="0"/>
+                <a:cs typeface="DejaVu Sans" charset="0"/>
+              </a:rPr>
+              <a:t>getContador</a:t>
+            </a:r>
+            <a:r>
+              <a:rPr lang="pt-br" cap="none" dirty="0">
+                <a:solidFill>
+                  <a:srgbClr val="D1D5DB"/>
+                </a:solidFill>
+                <a:latin typeface="Söhne" charset="0"/>
+                <a:ea typeface="DejaVu Sans" charset="0"/>
+                <a:cs typeface="DejaVu Sans" charset="0"/>
+              </a:rPr>
+              <a:t>() retorna o valor atual do contador. O acesso aos membros estáticos é feito diretamente usando o nome da classe, sem a necessidade de criar instâncias da classe.</a:t>
             </a:r>
           </a:p>
           <a:p>
@@ -12862,7 +12931,7 @@
                 <a:cs typeface="DejaVu Sans" charset="0"/>
               </a:defRPr>
             </a:pPr>
-            <a:endParaRPr lang="pt-br" cap="none">
+            <a:endParaRPr lang="pt-br" cap="none" dirty="0">
               <a:solidFill>
                 <a:srgbClr val="D1D5DB"/>
               </a:solidFill>
@@ -12879,7 +12948,7 @@
           <p:cNvSpPr>
             <a:extLst>
               <a:ext uri="smNativeData">
-                <pr:smNativeData xmlns="smNativeData" xmlns:pr="smNativeData" xmlns:p15="http://schemas.microsoft.com/office/powerpoint/2012/main" xmlns:p14="http://schemas.microsoft.com/office/powerpoint/2010/main" xmlns:mc="http://schemas.openxmlformats.org/markup-compatibility/2006" val="SMDATA_15_q5OGZBMAAAAlAAAAZAAAAA0AAAAAjgAAAEcAAACOAAAARwAAAAAAAAABAAAAAAAAAAEAAABQAAAAAAAAAAAA4D8AAAAAAADgPwAAAAAAAOA/AAAAAAAA4D8AAAAAAADgPwAAAAAAAOA/AAAAAAAA4D8AAAAAAADgPwAAAAAAAOA/AAAAAAAA4D8CAAAAjAAAAAEAAAAAAAAAIis1AP///wgAAAAAAAAAAAAAAAAAAAAAAAAAAAAAAAAAAAAAZAAAAAEAAABAAAAAAAAAAAAAAAAAAAAAAAAAAAAAAAAAAAAAAAAAAAAAAAAAAAAAAAAAAAAAAAAAAAAAAAAAAAAAAAAAAAAAAAAAAAAAAAAAAAAAAAAAAAAAAAAAAAAAFAAAADwAAAABAAAAAAAAAOfm5gooAAAAAQAAABQAAAAUAAAAFAAAAAEAAAAAAAAAZAAAAGQAAAAAAAAAZAAAAGQAAAAVAAAAYAAAAAAAAAAAAAAADwAAACADAAAAAAAAAAAAAAEAAACgMgAAVgcAAKr4//8BAAAAf39/AAEAAABkAAAAAAAAABQAAABAHwAAAAAAACYAAAAAAAAAwOD//wAAAAAmAAAAZAAAABYAAABMAAAAAAAAAAAAAAAEAAAAAAAAAAEAAADn5uYKAAAAACgAAAAoAAAAZAAAAGQAAAAAAAAAzMzMAAAAAABQAAAAUAAAAGQAAABkAAAAAAAAABcAAAAUAAAAAAAAAAAAAAD/fwAA/38AAAAAAAAJAAAABAAAAF8AYAAeAAAAaAAAAAAAAAAAAAAAAAAAAAAAAAAAAAAAECcAABAnAAAAAAAAAAAAAAAAAAAAAAAAAAAAAAAAAAAAAAAAAAAAABQAAAAAAAAAwMD/AAAAAABkAAAAMgAAAAAAAABkAAAAAAAAAH9/fwAKAAAAIgAAABgAAAAAAAAAAAAAAAAAAAAAAAAAAAAAAAAAAAAkAAAAJAAAAAAAAAAHAAAAAAAAAAAAAAAAAAAAAAAAAAAAAAAAAAAAf39/ACUAAABYAAAAAAAAAAAAAAAAAAAAAAAAAAAAAAAAAAAAAAAAAAAAAAAAAAAAAAAAAAAAAAA/AAAAAAAAAKCGAQAAAAAAAAAAAAAAAAAMAAAAAQAAAAAAAAAAAAAAAAAAAB8AAABUAAAAIis1AP///wEAAAAAAAAAAAAAAAAAAAAAAAAAAAAAAAAAAAAAAAAAAOfm5gN/f38A5+bmA8zMzADAwP8Af39/AAAAAAAAAAAAAAAAAAAAAAAAAAAAIQAAABgAAAAUAAAAQhQAAEkBAAC9NgAARAUAABAAAAAmAAAACAAAAP//////////"/>
+                <pr:smNativeData xmlns:mc="http://schemas.openxmlformats.org/markup-compatibility/2006" xmlns:p14="http://schemas.microsoft.com/office/powerpoint/2010/main" xmlns:p15="http://schemas.microsoft.com/office/powerpoint/2012/main" xmlns:pr="smNativeData" xmlns="smNativeData" val="SMDATA_15_q5OGZBMAAAAlAAAAZAAAAA0AAAAAjgAAAEcAAACOAAAARwAAAAAAAAABAAAAAAAAAAEAAABQAAAAAAAAAAAA4D8AAAAAAADgPwAAAAAAAOA/AAAAAAAA4D8AAAAAAADgPwAAAAAAAOA/AAAAAAAA4D8AAAAAAADgPwAAAAAAAOA/AAAAAAAA4D8CAAAAjAAAAAEAAAAAAAAAIis1AP///wgAAAAAAAAAAAAAAAAAAAAAAAAAAAAAAAAAAAAAZAAAAAEAAABAAAAAAAAAAAAAAAAAAAAAAAAAAAAAAAAAAAAAAAAAAAAAAAAAAAAAAAAAAAAAAAAAAAAAAAAAAAAAAAAAAAAAAAAAAAAAAAAAAAAAAAAAAAAAAAAAAAAAFAAAADwAAAABAAAAAAAAAOfm5gooAAAAAQAAABQAAAAUAAAAFAAAAAEAAAAAAAAAZAAAAGQAAAAAAAAAZAAAAGQAAAAVAAAAYAAAAAAAAAAAAAAADwAAACADAAAAAAAAAAAAAAEAAACgMgAAVgcAAKr4//8BAAAAf39/AAEAAABkAAAAAAAAABQAAABAHwAAAAAAACYAAAAAAAAAwOD//wAAAAAmAAAAZAAAABYAAABMAAAAAAAAAAAAAAAEAAAAAAAAAAEAAADn5uYKAAAAACgAAAAoAAAAZAAAAGQAAAAAAAAAzMzMAAAAAABQAAAAUAAAAGQAAABkAAAAAAAAABcAAAAUAAAAAAAAAAAAAAD/fwAA/38AAAAAAAAJAAAABAAAAF8AYAAeAAAAaAAAAAAAAAAAAAAAAAAAAAAAAAAAAAAAECcAABAnAAAAAAAAAAAAAAAAAAAAAAAAAAAAAAAAAAAAAAAAAAAAABQAAAAAAAAAwMD/AAAAAABkAAAAMgAAAAAAAABkAAAAAAAAAH9/fwAKAAAAIgAAABgAAAAAAAAAAAAAAAAAAAAAAAAAAAAAAAAAAAAkAAAAJAAAAAAAAAAHAAAAAAAAAAAAAAAAAAAAAAAAAAAAAAAAAAAAf39/ACUAAABYAAAAAAAAAAAAAAAAAAAAAAAAAAAAAAAAAAAAAAAAAAAAAAAAAAAAAAAAAAAAAAA/AAAAAAAAAKCGAQAAAAAAAAAAAAAAAAAMAAAAAQAAAAAAAAAAAAAAAAAAAB8AAABUAAAAIis1AP///wEAAAAAAAAAAAAAAAAAAAAAAAAAAAAAAAAAAAAAAAAAAOfm5gN/f38A5+bmA8zMzADAwP8Af39/AAAAAAAAAAAAAAAAAAAAAAAAAAAAIQAAABgAAAAUAAAAQhQAAEkBAAC9NgAARAUAABAAAAAmAAAACAAAAP//////////"/>
               </a:ext>
             </a:extLst>
           </p:cNvSpPr>
@@ -12941,7 +13010,7 @@
           <p:cNvPicPr>
             <a:extLst>
               <a:ext uri="smNativeData">
-                <pr:smNativeData xmlns="smNativeData" xmlns:pr="smNativeData" xmlns:p15="http://schemas.microsoft.com/office/powerpoint/2012/main" xmlns:p14="http://schemas.microsoft.com/office/powerpoint/2010/main" xmlns:mc="http://schemas.openxmlformats.org/markup-compatibility/2006" val="SMDATA_17_q5OGZBMAAAAlAAAAEQAAAA0AAAAAkAAAAEgAAACQAAAASAAAAAAAAAAAAAAAAAAAAAEAAABQAAAAAAAAAAAA4D8AAAAAAADgPwAAAAAAAOA/AAAAAAAA4D8AAAAAAADgPwAAAAAAAOA/AAAAAAAA4D8AAAAAAADgPwAAAAAAAOA/AAAAAAAA4D8CAAAAjAAAAAAAAAAAAAAARHLEDP///wgAAAAAAAAAAAAAAAAAAAAAAAAAAAAAAAAAAAAAZAAAAAEAAABAAAAAAAAAAAAAAAAAAAAAAAAAAAAAAAAAAAAAAAAAAAAAAAAAAAAAAAAAAAAAAAAAAAAAAAAAAAAAAAAAAAAAAAAAAAAAAAAAAAAAAAAAAAAAAAAAAAAAFAAAADwAAAAAAAAAAAAAAAAAAAkUAAAAAQAAABQAAAAUAAAAFAAAAAEAAAAAAAAAZAAAAGQAAAAAAAAAZAAAAGQAAAAVAAAAYAAAAAAAAAAAAAAADwAAACADAAAAAAAAAAAAAAEAAACgMgAAVgcAAKr4//8BAAAAf39/AAEAAABkAAAAAAAAABQAAABAHwAAAAAAACYAAAAAAAAAwOD//wAAAAAmAAAAZAAAABYAAABMAAAAAAAAAAAAAAAEAAAAAAAAAAEAAADn5uYKAAAAACgAAAAoAAAAZAAAAGQAAAAAAAAAzMzMAAAAAABQAAAAUAAAAGQAAABkAAAAAAAAAAcAAAA4AAAAAAAAAAAAAAAAAAAA////AAAAAAAAAAAAAAAAAAAAAAAAAAAAAAAAAAAAAABkAAAAZAAAAAAAAAAjAAAABAAAAGQAAAAXAAAAFAAAAAAAAAAAAAAA/38AAP9/AAAAAAAACQAAAAQAAAABAAAAHgAAAGgAAAAAAAAAAAAAAAAAAAAAAAAAAAAAABAnAAAQJwAAAAAAAAAAAAAAAAAAAAAAAAAAAAAAAAAAAAAAAAAAAAAUAAAAAAAAAMDA/wAAAAAAZAAAADIAAAAAAAAAZAAAAAAAAAB/f38ACgAAACIAAAAYAAAAAAAAAAAAAAAAAAAAAAAAAAAAAAAAAAAAJAAAACQAAAAAAAAABwAAAAAAAAAAAAAAAAAAAAAAAAAAAAAAAAAAAH9/fwAlAAAAWAAAAAAAAAAAAAAAAAAAAAAAAAAAAAAAAAAAAAAAAAAAAAAAAAAAAAAAAAAAAAAAPwAAAAAAAACghgEAAAAAAAAAAAAAAAAADAAAAAEAAAAAAAAAAAAAAAAAAAAfAAAAVAAAAERyxAX///8BAAAAAAAAAAAAAAAAAAAAAAAAAAAAAAAAAAAAAAAAAAAAAAACf39/AOfm5gPMzMwAwMD/AH9/fwAAAAAAAAAAAAAAAAD///8AAAAAACEAAAAYAAAAFAAAAOcoAAAjCgAAH0kAAFcgAAAQAAAAJgAAAAgAAAD//////////w=="/>
+                <pr:smNativeData xmlns:mc="http://schemas.openxmlformats.org/markup-compatibility/2006" xmlns:p14="http://schemas.microsoft.com/office/powerpoint/2010/main" xmlns:p15="http://schemas.microsoft.com/office/powerpoint/2012/main" xmlns:pr="smNativeData" xmlns="smNativeData" val="SMDATA_17_q5OGZBMAAAAlAAAAEQAAAA0AAAAAkAAAAEgAAACQAAAASAAAAAAAAAAAAAAAAAAAAAEAAABQAAAAAAAAAAAA4D8AAAAAAADgPwAAAAAAAOA/AAAAAAAA4D8AAAAAAADgPwAAAAAAAOA/AAAAAAAA4D8AAAAAAADgPwAAAAAAAOA/AAAAAAAA4D8CAAAAjAAAAAAAAAAAAAAARHLEDP///wgAAAAAAAAAAAAAAAAAAAAAAAAAAAAAAAAAAAAAZAAAAAEAAABAAAAAAAAAAAAAAAAAAAAAAAAAAAAAAAAAAAAAAAAAAAAAAAAAAAAAAAAAAAAAAAAAAAAAAAAAAAAAAAAAAAAAAAAAAAAAAAAAAAAAAAAAAAAAAAAAAAAAFAAAADwAAAAAAAAAAAAAAAAAAAkUAAAAAQAAABQAAAAUAAAAFAAAAAEAAAAAAAAAZAAAAGQAAAAAAAAAZAAAAGQAAAAVAAAAYAAAAAAAAAAAAAAADwAAACADAAAAAAAAAAAAAAEAAACgMgAAVgcAAKr4//8BAAAAf39/AAEAAABkAAAAAAAAABQAAABAHwAAAAAAACYAAAAAAAAAwOD//wAAAAAmAAAAZAAAABYAAABMAAAAAAAAAAAAAAAEAAAAAAAAAAEAAADn5uYKAAAAACgAAAAoAAAAZAAAAGQAAAAAAAAAzMzMAAAAAABQAAAAUAAAAGQAAABkAAAAAAAAAAcAAAA4AAAAAAAAAAAAAAAAAAAA////AAAAAAAAAAAAAAAAAAAAAAAAAAAAAAAAAAAAAABkAAAAZAAAAAAAAAAjAAAABAAAAGQAAAAXAAAAFAAAAAAAAAAAAAAA/38AAP9/AAAAAAAACQAAAAQAAAABAAAAHgAAAGgAAAAAAAAAAAAAAAAAAAAAAAAAAAAAABAnAAAQJwAAAAAAAAAAAAAAAAAAAAAAAAAAAAAAAAAAAAAAAAAAAAAUAAAAAAAAAMDA/wAAAAAAZAAAADIAAAAAAAAAZAAAAAAAAAB/f38ACgAAACIAAAAYAAAAAAAAAAAAAAAAAAAAAAAAAAAAAAAAAAAAJAAAACQAAAAAAAAABwAAAAAAAAAAAAAAAAAAAAAAAAAAAAAAAAAAAH9/fwAlAAAAWAAAAAAAAAAAAAAAAAAAAAAAAAAAAAAAAAAAAAAAAAAAAAAAAAAAAAAAAAAAAAAAPwAAAAAAAACghgEAAAAAAAAAAAAAAAAADAAAAAEAAAAAAAAAAAAAAAAAAAAfAAAAVAAAAERyxAX///8BAAAAAAAAAAAAAAAAAAAAAAAAAAAAAAAAAAAAAAAAAAAAAAACf39/AOfm5gPMzMwAwMD/AH9/fwAAAAAAAAAAAAAAAAD///8AAAAAACEAAAAYAAAAFAAAAOcoAAAjCgAAH0kAAFcgAAAQAAAAJgAAAAgAAAD//////////w=="/>
               </a:ext>
             </a:extLst>
           </p:cNvPicPr>
@@ -12979,14 +13048,6 @@
 <file path=ppt/slides/slide18.xml><?xml version="1.0" encoding="utf-8"?>
 <p:sld xmlns:a="http://schemas.openxmlformats.org/drawingml/2006/main" xmlns:r="http://schemas.openxmlformats.org/officeDocument/2006/relationships" xmlns:p="http://schemas.openxmlformats.org/presentationml/2006/main">
   <p:cSld>
-    <p:bg>
-      <p:bgPr>
-        <a:solidFill>
-          <a:srgbClr val="000000"/>
-        </a:solidFill>
-        <a:effectLst/>
-      </p:bgPr>
-    </p:bg>
     <p:spTree>
       <p:nvGrpSpPr>
         <p:cNvPr id="1" name=""/>
@@ -13007,7 +13068,34 @@
           <p:cNvSpPr>
             <a:extLst>
               <a:ext uri="smNativeData">
-                <pr:smNativeData xmlns="smNativeData" xmlns:pr="smNativeData" xmlns:p15="http://schemas.microsoft.com/office/powerpoint/2012/main" xmlns:p14="http://schemas.microsoft.com/office/powerpoint/2010/main" xmlns:mc="http://schemas.openxmlformats.org/markup-compatibility/2006" val="SMDATA_15_q5OGZBMAAAAlAAAAqgAAAA0AAAAAkAAAAEgAAACQAAAASAAAAAAAAAAAAAAAAAAAAAEAAABQAAAAda9fBcX/xz8AAAAAAADgPwAAAAAAAOA/AAAAAAAA4D8AAAAAAADgPwAAAAAAAOA/AAAAAAAA4D8AAAAAAADgPwAAAAAAAOA/AAAAAAAA4D8CAAAAjAAAAAEAAAAAAAAANEBQAP///wgAAAAAAAAAAAAAAAAAAAAAAAAAAAAAAAAAAAAAZAAAAAEAAABAAAAAAAAAAAAAAAAAAAAAAAAAAAAAAAAAAAAAAAAAAAAAAAAAAAAAAAAAAAAAAAAAAAAAAAAAAAAAAAAAAAAAAAAAAAAAAAAAAAAAAAAAAAAAAAAAAAAAFAAAADwAAAABAAAAAAAAAP///wgoAAAAAQAAABQAAAAUAAAAFAAAAAEAAAAAAAAAZAAAAGQAAAAAAAAAZAAAAGQAAAAVAAAAYAAAAAAAAAAAAAAADwAAACADAAAAAAAAAAAAAAEAAACgMgAAVgcAAKr4//8BAAAAf39/AAEAAABkAAAAAAAAABQAAABAHwAAAAAAACYAAAAAAAAAwOD//wAAAAAmAAAAZAAAABYAAABMAAAAAAAAAAAAAAAEAAAAAAAAAAEAAADn5uYKAAAAACgAAAAoAAAAZAAAAGQAAAAAAAAAzMzMAAAAAABQAAAAUAAAAGQAAABkAAAAAAAAABcAAAAUAAAAAAAAAAAAAAD/fwAA/38AAAAAAAAJAAAABAAAAF8AYAAeAAAAaAAAAAAAAAAAAAAAAAAAAAAAAAAAAAAAECcAABAnAAAAAAAAAAAAAAAAAAAAAAAAAAAAAAAAAAAAAAAAAAAAABQAAAAAAAAAwMD/AAAAAABkAAAAMgAAAAAAAABkAAAAAAAAAH9/fwAKAAAAIgAAABgAAAAAAAAAAAAAAAAAAAAAAAAAAAAAAAAAAAAkAAAAJAAAAAAAAAAHAAAAAAAAAAAAAAAAAAAAAAAAAAAAAAAAAAAAf39/ACUAAABYAAAAAAAAAAAAAAAAAAAAAAAAAAAAAAAAAAAAAAAAAAAAAAAAAAAAAAAAAAAAAAA/AAAAAAAAAKCGAQAAAAAAAAAAAAAAAAAMAAAAAQAAAAAAAAAAAAAAAAAAAB8AAABUAAAANEBQAP///wEAAAAAAAAAAAAAAAAAAAAAAAAAAAAAAAAAAAAAAAAAAP///wF/f38A5+bmA8zMzADAwP8Af39/AAAAAAAAAAAAAAAAAAAAAAAAAAAAIQAAABgAAAAUAAAAAAAAAAAAAAD/SgAALyoAABAAAAAmAAAACAAAAP//////////"/>
+                <pr:smNativeData xmlns:mc="http://schemas.openxmlformats.org/markup-compatibility/2006" xmlns:p14="http://schemas.microsoft.com/office/powerpoint/2010/main" xmlns:p15="http://schemas.microsoft.com/office/powerpoint/2012/main" xmlns:pr="smNativeData" xmlns="smNativeData" val="SMDATA_15_q5OGZBMAAAAlAAAAZAAAAA0AAAAAkAAAAEgAAACQAAAASAAAAAAAAAAAAAAAAAAAAAEAAABQAAAAAAAAAAAA4D8AAAAAAADgPwAAAAAAAOA/AAAAAAAA4D8AAAAAAADgPwAAAAAAAOA/AAAAAAAA4D8AAAAAAADgPwAAAAAAAOA/AAAAAAAA4D8CAAAAjAAAAAAAAAAAAAAARHLEDP///wgAAAAAAAAAAAAAAAAAAAAAAAAAAAAAAAAAAAAAZAAAAAEAAABAAAAAAAAAAAAAAAAAAAAAAAAAAAAAAAAAAAAAAAAAAAAAAAAAAAAAAAAAAAAAAAAAAAAAAAAAAAAAAAAAAAAAAAAAAAAAAAAAAAAAAAAAAAAAAAAAAAAAFAAAADwAAAAAAAAAAAAAAAAAAAkUAAAAAQAAABQAAAAUAAAAFAAAAAEAAAAAAAAAZAAAAGQAAAAAAAAAZAAAAGQAAAAVAAAAYAAAAAAAAAAAAAAADwAAACADAAAAAAAAAAAAAAEAAACgMgAAVgcAAKr4//8BAAAAf39/AAEAAABkAAAAAAAAABQAAABAHwAAAAAAACYAAAAAAAAAwOD//wAAAAAmAAAAZAAAABYAAABMAAAAAAAAAAAAAAAEAAAAAAAAAAEAAADn5uYKAAAAACgAAAAoAAAAZAAAAGQAAAAAAAAAzMzMAAAAAABQAAAAUAAAAGQAAABkAAAAAAAAABcAAAAUAAAAAAAAAAAAAAD/fwAA/38AAAAAAAAJAAAABAAAAF8AYAAeAAAAaAAAAAAAAAAAAAAAAAAAAAAAAAAAAAAAECcAABAnAAAAAAAAAAAAAAAAAAAAAAAAAAAAAAAAAAAAAAAAAAAAABQAAAAAAAAAwMD/AAAAAABkAAAAMgAAAAAAAABkAAAAAAAAAH9/fwAKAAAAIgAAABgAAAAAAAAAAAAAAAAAAAAAAAAAAAAAAAAAAAAkAAAAJAAAAAAAAAAHAAAAAAAAAAAAAAAAAAAAAAAAAAAAAAAAAAAAf39/ACUAAABYAAAAAAAAAAAAAAAAAAAAAAAAAAAAAAAAAAAAAAAAAAAAAAAAAAAAAAAAAAAAAAA/AAAAAAAAAKCGAQAAAAAAAAAAAAAAAAAMAAAAAQAAAAAAAAAAAAAAAAAAAB8AAABUAAAARHLEBf///wEAAAAAAAAAAAAAAAAAAAAAAAAAAAAAAAAAAAAAAAAAAAAAAAJ/f38A5+bmA8zMzADAwP8Af39/AAAAAAAAAAAAAAAAAAAAAAAAAAAAIQAAABgAAAAUAAAAKAUAAJ8BAADXRQAAxQkAABAAAAAmAAAACAAAAP//////////"/>
+              </a:ext>
+            </a:extLst>
+          </p:cNvSpPr>
+          <p:nvPr/>
+        </p:nvSpPr>
+        <p:spPr>
+          <a:xfrm>
+            <a:off x="838200" y="263525"/>
+            <a:ext cx="10514965" cy="1324610"/>
+          </a:xfrm>
+          <a:prstGeom prst="rect">
+            <a:avLst/>
+          </a:prstGeom>
+          <a:noFill/>
+          <a:ln>
+            <a:noFill/>
+          </a:ln>
+          <a:effectLst/>
+        </p:spPr>
+      </p:sp>
+      <p:sp>
+        <p:nvSpPr>
+          <p:cNvPr id="3" name="CustomShape 2"/>
+          <p:cNvSpPr>
+            <a:extLst>
+              <a:ext uri="smNativeData">
+                <pr:smNativeData xmlns:mc="http://schemas.openxmlformats.org/markup-compatibility/2006" xmlns:p14="http://schemas.microsoft.com/office/powerpoint/2010/main" xmlns:p15="http://schemas.microsoft.com/office/powerpoint/2012/main" xmlns:pr="smNativeData" xmlns="smNativeData" val="SMDATA_15_q5OGZBMAAAAlAAAAqgAAAA0AAAAAkAAAAEgAAACQAAAASAAAAAAAAAAAAAAAAAAAAAEAAABQAAAAda9fBcX/xz8AAAAAAADgPwAAAAAAAOA/AAAAAAAA4D8AAAAAAADgPwAAAAAAAOA/AAAAAAAA4D8AAAAAAADgPwAAAAAAAOA/AAAAAAAA4D8CAAAAjAAAAAEAAAAAAAAANEBQAP///wgAAAAAAAAAAAAAAAAAAAAAAAAAAAAAAAAAAAAAZAAAAAEAAABAAAAAAAAAAAAAAAAAAAAAAAAAAAAAAAAAAAAAAAAAAAAAAAAAAAAAAAAAAAAAAAAAAAAAAAAAAAAAAAAAAAAAAAAAAAAAAAAAAAAAAAAAAAAAAAAAAAAAFAAAADwAAAABAAAAAAAAAP///wgoAAAAAQAAABQAAAAUAAAAFAAAAAEAAAAAAAAAZAAAAGQAAAAAAAAAZAAAAGQAAAAVAAAAYAAAAAAAAAAAAAAADwAAACADAAAAAAAAAAAAAAEAAACgMgAAVgcAAKr4//8BAAAAf39/AAEAAABkAAAAAAAAABQAAABAHwAAAAAAACYAAAAAAAAAwOD//wAAAAAmAAAAZAAAABYAAABMAAAAAAAAAAAAAAAEAAAAAAAAAAEAAADn5uYKAAAAACgAAAAoAAAAZAAAAGQAAAAAAAAAzMzMAAAAAABQAAAAUAAAAGQAAABkAAAAAAAAABcAAAAUAAAAAAAAAAAAAAD/fwAA/38AAAAAAAAJAAAABAAAAAAAAAAeAAAAaAAAAAAAAAAAAAAAAAAAAAAAAAAAAAAAECcAABAnAAAAAAAAAAAAAAAAAAAAAAAAAAAAAAAAAAAAAAAAAAAAABQAAAAAAAAAwMD/AAAAAABkAAAAMgAAAAAAAABkAAAAAAAAAH9/fwAKAAAAIgAAABgAAAAAAAAAAAAAAAAAAAAAAAAAAAAAAAAAAAAkAAAAJAAAAAAAAAAHAAAAAAAAAAAAAAAAAAAAAAAAAAAAAAAAAAAAf39/ACUAAABYAAAAAAAAAAAAAAAAAAAAAAAAAAAAAAAAAAAAAAAAAAAAAAAAAAAAAAAAAAAAAAA/AAAAAAAAAKCGAQAAAAAAAAAAAAAAAAAMAAAAAQAAAAAAAAAAAAAAAAAAAB8AAABUAAAANEBQAP///wEAAAAAAAAAAAAAAAAAAAAAAAAAAAAAAAAAAAAAAAAAAP///wF/f38A5+bmA8zMzADAwP8Af39/AAAAAAAAAAAAAAAAAAAAAAAAAAAAIQAAABgAAAAUAAAAAAAAAAAAAAD/SgAALyoAABAAAAAmAAAACAAAAP//////////"/>
               </a:ext>
             </a:extLst>
           </p:cNvSpPr>
@@ -13036,14 +13124,270 @@
           </a:ln>
           <a:effectLst/>
         </p:spPr>
-      </p:sp>
-      <p:sp>
-        <p:nvSpPr>
-          <p:cNvPr id="3" name="CustomShape 2"/>
-          <p:cNvSpPr>
-            <a:extLst>
-              <a:ext uri="smNativeData">
-                <pr:smNativeData xmlns="smNativeData" xmlns:pr="smNativeData" xmlns:p15="http://schemas.microsoft.com/office/powerpoint/2012/main" xmlns:p14="http://schemas.microsoft.com/office/powerpoint/2010/main" xmlns:mc="http://schemas.openxmlformats.org/markup-compatibility/2006" val="SMDATA_15_q5OGZBMAAAAlAAAAZAAAAA0AAAAAjgAAAEcAAACOAAAARwAAAAAAAAABAAAAAAAAAAEAAABQAAAAAAAAAAAA4D8AAAAAAADgPwAAAAAAAOA/AAAAAAAA4D8AAAAAAADgPwAAAAAAAOA/AAAAAAAA4D8AAAAAAADgPwAAAAAAAOA/AAAAAAAA4D8CAAAAjAAAAAEAAAAAAAAAIis1AP///wgAAAAAAAAAAAAAAAAAAAAAAAAAAAAAAAAAAAAAZAAAAAEAAABAAAAAAAAAAAAAAAAAAAAAAAAAAAAAAAAAAAAAAAAAAAAAAAAAAAAAAAAAAAAAAAAAAAAAAAAAAAAAAAAAAAAAAAAAAAAAAAAAAAAAAAAAAAAAAAAAAAAAFAAAADwAAAABAAAAAAAAAOfm5gooAAAAAQAAABQAAAAUAAAAFAAAAAEAAAAAAAAAZAAAAGQAAAAAAAAAZAAAAGQAAAAVAAAAYAAAAAAAAAAAAAAADwAAACADAAAAAAAAAAAAAAEAAACgMgAAVgcAAKr4//8BAAAAf39/AAEAAABkAAAAAAAAABQAAABAHwAAAAAAACYAAAAAAAAAwOD//wAAAAAmAAAAZAAAABYAAABMAAAAAAAAAAAAAAAEAAAAAAAAAAEAAADn5uYKAAAAACgAAAAoAAAAZAAAAGQAAAAAAAAAzMzMAAAAAABQAAAAUAAAAGQAAABkAAAAAAAAABcAAAAUAAAAAAAAAAAAAAD/fwAA/38AAAAAAAAJAAAABAAAAGOKFw4eAAAAaAAAAAAAAAAAAAAAAAAAAAAAAAAAAAAAECcAABAnAAAAAAAAAAAAAAAAAAAAAAAAAAAAAAAAAAAAAAAAAAAAABQAAAAAAAAAwMD/AAAAAABkAAAAMgAAAAAAAABkAAAAAAAAAH9/fwAKAAAAIgAAABgAAAAAAAAAAAAAAAAAAAAAAAAAAAAAAAAAAAAkAAAAJAAAAAAAAAAHAAAAAAAAAAAAAAAAAAAAAAAAAAAAAAAAAAAAf39/ACUAAABYAAAAAAAAAAAAAAAAAAAAAAAAAAAAAAAAAAAAAAAAAAAAAAAAAAAAAAAAAAAAAAA/AAAAAAAAAKCGAQAAAAAAAAAAAAAAAAAMAAAAAQAAAAAAAAAAAAAAAAAAAB8AAABUAAAAIis1AP///wEAAAAAAAAAAAAAAAAAAAAAAAAAAAAAAAAAAAAAAAAAAOfm5gN/f38A5+bmA8zMzADAwP8Af39/AAAAAAAAAAAAAAAAAAAAAAAAAAAAIQAAABgAAAAUAAAAQhQAAEkBAAC9NgAARAUAABAAAAAmAAAACAAAAP//////////"/>
+        <p:txBody>
+          <a:bodyPr/>
+          <a:lstStyle/>
+          <a:p>
+            <a:endParaRPr lang="pt-BR" dirty="0"/>
+          </a:p>
+        </p:txBody>
+      </p:sp>
+      <p:sp>
+        <p:nvSpPr>
+          <p:cNvPr id="4" name="CustomShape 3"/>
+          <p:cNvSpPr>
+            <a:extLst>
+              <a:ext uri="smNativeData">
+                <pr:smNativeData xmlns:mc="http://schemas.openxmlformats.org/markup-compatibility/2006" xmlns:p14="http://schemas.microsoft.com/office/powerpoint/2010/main" xmlns:p15="http://schemas.microsoft.com/office/powerpoint/2012/main" xmlns:pr="smNativeData" xmlns="smNativeData" val="SMDATA_15_q5OGZBMAAAAlAAAAZAAAAE0AAAAAjgAAAEcAAACOAAAARwAAAAAAAAAAAAAAAAAAAAEAAABQAAAAAAAAAAAA4D8AAAAAAADgPwAAAAAAAOA/AAAAAAAA4D8AAAAAAADgPwAAAAAAAOA/AAAAAAAA4D8AAAAAAADgPwAAAAAAAOA/AAAAAAAA4D8CAAAAjAAAAAAAAAAAAAAARHLEDP///wgAAAAAAAAAAAAAAAAAAAAAAAAAAAAAAAAAAAAAZAAAAAEAAABAAAAAAAAAAAAAAAAAAAAAAAAAAAAAAAAAAAAAAAAAAAAAAAAAAAAAAAAAAAAAAAAAAAAAAAAAAAAAAAAAAAAAAAAAAAAAAAAAAAAAAAAAAAAAAAAAAAAAFAAAADwAAAAAAAAAAAAAAAAAAAkUAAAAAQAAABQAAAAUAAAAFAAAAAEAAAAAAAAAZAAAAGQAAAAAAAAAZAAAAGQAAAAVAAAAYAAAAAAAAAAAAAAADwAAACADAAAAAAAAAAAAAAEAAACgMgAAVgcAAKr4//8BAAAAf39/AAEAAABkAAAAAAAAABQAAABAHwAAAAAAACYAAAAAAAAAwOD//wAAAAAmAAAAZAAAABYAAABMAAAAAAAAAAAAAAAEAAAAAAAAAAEAAADn5uYKAAAAACgAAAAoAAAAZAAAAGQAAAAAAAAAzMzMAAAAAABQAAAAUAAAAGQAAABkAAAAAAAAABcAAAAUAAAAAAAAAAAAAAD/fwAA/38AAAAAAAAJAAAABAAAAF8AYAAeAAAAaAAAAAAAAAAAAAAAAAAAAAAAAAAAAAAAECcAABAnAAAAAAAAAAAAAAAAAAAAAAAAAAAAAAAAAAAAAAAAAAAAABQAAAAAAAAAwMD/AAAAAABkAAAAMgAAAAAAAABkAAAAAAAAAH9/fwAKAAAAIgAAABgAAAAAAAAAAAAAAAAAAAAAAAAAAAAAAAAAAAAkAAAAJAAAAAAAAAAHAAAAAAAAAAAAAAAAAAAAAAAAAAAAAAAAAAAAf39/ACUAAABYAAAAAAAAAAAAAAAAAAAAAAAAAAAAAAAAAAAAAAAAAAAAAAAAAAAAAAAAAAAAAAA/AAAAAAAAAKCGAQAAAAAAAAAAAAAAAAAMAAAAAQAAAAAAAAAAAAAAAAAAAB8AAABUAAAARHLEBf///wEAAAAAAAAAAAAAAAAAAAAAAAAAAAAAAAAAAAAAAAAAAAAAAAJ/f38A5+bmA8zMzADAwP8Af39/AAAAAAAAAAAAAAAAAAAAAAAAAAAAIQAAABgAAAAUAAAAWgEAAHAIAAAvKgAA/iMAABAgAAAmAAAACAAAAP//////////"/>
+              </a:ext>
+            </a:extLst>
+          </p:cNvSpPr>
+          <p:nvPr/>
+        </p:nvSpPr>
+        <p:spPr>
+          <a:xfrm>
+            <a:off x="219710" y="1371599"/>
+            <a:ext cx="5605145" cy="4852219"/>
+          </a:xfrm>
+          <a:prstGeom prst="rect">
+            <a:avLst/>
+          </a:prstGeom>
+          <a:noFill/>
+          <a:ln>
+            <a:noFill/>
+          </a:ln>
+          <a:effectLst/>
+        </p:spPr>
+        <p:txBody>
+          <a:bodyPr vert="horz" wrap="square" lIns="90170" tIns="45085" rIns="90170" bIns="45085" numCol="1" spcCol="215900" anchor="t"/>
+          <a:lstStyle/>
+          <a:p>
+            <a:pPr>
+              <a:defRPr lang="pt-br" cap="none">
+                <a:latin typeface="Arial" pitchFamily="2" charset="0"/>
+                <a:ea typeface="DejaVu Sans" charset="0"/>
+                <a:cs typeface="DejaVu Sans" charset="0"/>
+              </a:defRPr>
+            </a:pPr>
+            <a:endParaRPr lang="pt-br" dirty="0">
+              <a:solidFill>
+                <a:srgbClr val="D1D5DB"/>
+              </a:solidFill>
+              <a:latin typeface="Söhne" charset="0"/>
+            </a:endParaRPr>
+          </a:p>
+          <a:p>
+            <a:pPr>
+              <a:defRPr lang="pt-br" cap="none">
+                <a:latin typeface="Arial" pitchFamily="2" charset="0"/>
+                <a:ea typeface="DejaVu Sans" charset="0"/>
+                <a:cs typeface="DejaVu Sans" charset="0"/>
+              </a:defRPr>
+            </a:pPr>
+            <a:r>
+              <a:rPr lang="pt-BR" dirty="0">
+                <a:solidFill>
+                  <a:srgbClr val="D1D5DB"/>
+                </a:solidFill>
+                <a:latin typeface="Söhne" charset="0"/>
+              </a:rPr>
+              <a:t>Em </a:t>
+            </a:r>
+            <a:r>
+              <a:rPr lang="pt-BR" dirty="0" err="1">
+                <a:solidFill>
+                  <a:srgbClr val="D1D5DB"/>
+                </a:solidFill>
+                <a:latin typeface="Söhne" charset="0"/>
+              </a:rPr>
+              <a:t>JavaScript</a:t>
+            </a:r>
+            <a:r>
+              <a:rPr lang="pt-BR" dirty="0">
+                <a:solidFill>
+                  <a:srgbClr val="D1D5DB"/>
+                </a:solidFill>
+                <a:latin typeface="Söhne" charset="0"/>
+              </a:rPr>
+              <a:t>, a palavra-chave "</a:t>
+            </a:r>
+            <a:r>
+              <a:rPr lang="pt-BR" dirty="0" err="1">
+                <a:solidFill>
+                  <a:srgbClr val="D1D5DB"/>
+                </a:solidFill>
+                <a:latin typeface="Söhne" charset="0"/>
+              </a:rPr>
+              <a:t>this</a:t>
+            </a:r>
+            <a:r>
+              <a:rPr lang="pt-BR" dirty="0">
+                <a:solidFill>
+                  <a:srgbClr val="D1D5DB"/>
+                </a:solidFill>
+                <a:latin typeface="Söhne" charset="0"/>
+              </a:rPr>
+              <a:t>" é como uma referência especial que indica o objeto atual em uso. Imagine que você está em uma conversa e alguém pergunta: "Quem está falando agora?". A resposta seria "eu", pois você é a pessoa atualmente envolvida na conversa.</a:t>
+            </a:r>
+          </a:p>
+          <a:p>
+            <a:pPr>
+              <a:defRPr lang="pt-br" cap="none">
+                <a:latin typeface="Arial" pitchFamily="2" charset="0"/>
+                <a:ea typeface="DejaVu Sans" charset="0"/>
+                <a:cs typeface="DejaVu Sans" charset="0"/>
+              </a:defRPr>
+            </a:pPr>
+            <a:r>
+              <a:rPr lang="pt-BR" dirty="0">
+                <a:solidFill>
+                  <a:srgbClr val="D1D5DB"/>
+                </a:solidFill>
+                <a:latin typeface="Söhne" charset="0"/>
+              </a:rPr>
+              <a:t>Da mesma forma, em </a:t>
+            </a:r>
+            <a:r>
+              <a:rPr lang="pt-BR" dirty="0" err="1">
+                <a:solidFill>
+                  <a:srgbClr val="D1D5DB"/>
+                </a:solidFill>
+                <a:latin typeface="Söhne" charset="0"/>
+              </a:rPr>
+              <a:t>JavaScript</a:t>
+            </a:r>
+            <a:r>
+              <a:rPr lang="pt-BR" dirty="0">
+                <a:solidFill>
+                  <a:srgbClr val="D1D5DB"/>
+                </a:solidFill>
+                <a:latin typeface="Söhne" charset="0"/>
+              </a:rPr>
+              <a:t>, "</a:t>
+            </a:r>
+            <a:r>
+              <a:rPr lang="pt-BR" dirty="0" err="1">
+                <a:solidFill>
+                  <a:srgbClr val="D1D5DB"/>
+                </a:solidFill>
+                <a:latin typeface="Söhne" charset="0"/>
+              </a:rPr>
+              <a:t>this</a:t>
+            </a:r>
+            <a:r>
+              <a:rPr lang="pt-BR" dirty="0">
+                <a:solidFill>
+                  <a:srgbClr val="D1D5DB"/>
+                </a:solidFill>
+                <a:latin typeface="Söhne" charset="0"/>
+              </a:rPr>
+              <a:t>" é usado para se referir ao objeto atual em um determinado momento. Pode ser o objeto em que um método está sendo executado ou o objeto global, dependendo de como e onde "</a:t>
+            </a:r>
+            <a:r>
+              <a:rPr lang="pt-BR" dirty="0" err="1">
+                <a:solidFill>
+                  <a:srgbClr val="D1D5DB"/>
+                </a:solidFill>
+                <a:latin typeface="Söhne" charset="0"/>
+              </a:rPr>
+              <a:t>this</a:t>
+            </a:r>
+            <a:r>
+              <a:rPr lang="pt-BR" dirty="0">
+                <a:solidFill>
+                  <a:srgbClr val="D1D5DB"/>
+                </a:solidFill>
+                <a:latin typeface="Söhne" charset="0"/>
+              </a:rPr>
+              <a:t>" é usado.</a:t>
+            </a:r>
+          </a:p>
+          <a:p>
+            <a:pPr>
+              <a:defRPr lang="pt-br" cap="none">
+                <a:latin typeface="Arial" pitchFamily="2" charset="0"/>
+                <a:ea typeface="DejaVu Sans" charset="0"/>
+                <a:cs typeface="DejaVu Sans" charset="0"/>
+              </a:defRPr>
+            </a:pPr>
+            <a:r>
+              <a:rPr lang="pt-BR" dirty="0">
+                <a:solidFill>
+                  <a:srgbClr val="D1D5DB"/>
+                </a:solidFill>
+                <a:latin typeface="Söhne" charset="0"/>
+              </a:rPr>
+              <a:t>Em resumo, "</a:t>
+            </a:r>
+            <a:r>
+              <a:rPr lang="pt-BR" dirty="0" err="1">
+                <a:solidFill>
+                  <a:srgbClr val="D1D5DB"/>
+                </a:solidFill>
+                <a:latin typeface="Söhne" charset="0"/>
+              </a:rPr>
+              <a:t>this</a:t>
+            </a:r>
+            <a:r>
+              <a:rPr lang="pt-BR" dirty="0">
+                <a:solidFill>
+                  <a:srgbClr val="D1D5DB"/>
+                </a:solidFill>
+                <a:latin typeface="Söhne" charset="0"/>
+              </a:rPr>
+              <a:t>" é como uma maneira de se referir ao próprio objeto em que um pedaço de código está sendo executado. É útil para acessar propriedades e métodos desse objeto específico.</a:t>
+            </a:r>
+            <a:r>
+              <a:rPr lang="pt-BR" b="0" i="0" dirty="0">
+                <a:solidFill>
+                  <a:srgbClr val="374151"/>
+                </a:solidFill>
+                <a:effectLst/>
+                <a:latin typeface="Söhne"/>
+              </a:rPr>
+              <a:t>.</a:t>
+            </a:r>
+          </a:p>
+          <a:p>
+            <a:pPr>
+              <a:defRPr lang="pt-br" cap="none">
+                <a:latin typeface="Arial" pitchFamily="2" charset="0"/>
+                <a:ea typeface="DejaVu Sans" charset="0"/>
+                <a:cs typeface="DejaVu Sans" charset="0"/>
+              </a:defRPr>
+            </a:pPr>
+            <a:endParaRPr lang="pt-BR" dirty="0">
+              <a:solidFill>
+                <a:srgbClr val="374151"/>
+              </a:solidFill>
+              <a:latin typeface="Söhne"/>
+            </a:endParaRPr>
+          </a:p>
+          <a:p>
+            <a:pPr>
+              <a:defRPr lang="pt-br" cap="none">
+                <a:latin typeface="Arial" pitchFamily="2" charset="0"/>
+                <a:ea typeface="DejaVu Sans" charset="0"/>
+                <a:cs typeface="DejaVu Sans" charset="0"/>
+              </a:defRPr>
+            </a:pPr>
+            <a:endParaRPr lang="pt-BR" b="0" i="0" dirty="0">
+              <a:solidFill>
+                <a:srgbClr val="374151"/>
+              </a:solidFill>
+              <a:effectLst/>
+              <a:latin typeface="Söhne"/>
+            </a:endParaRPr>
+          </a:p>
+        </p:txBody>
+      </p:sp>
+      <p:sp>
+        <p:nvSpPr>
+          <p:cNvPr id="5" name="CustomShape 4"/>
+          <p:cNvSpPr>
+            <a:extLst>
+              <a:ext uri="smNativeData">
+                <pr:smNativeData xmlns:mc="http://schemas.openxmlformats.org/markup-compatibility/2006" xmlns:p14="http://schemas.microsoft.com/office/powerpoint/2010/main" xmlns:p15="http://schemas.microsoft.com/office/powerpoint/2012/main" xmlns:pr="smNativeData" xmlns="smNativeData" val="SMDATA_15_q5OGZBMAAAAlAAAAZAAAAA0AAAAAjgAAAEcAAACOAAAARwAAAAAAAAABAAAAAAAAAAEAAABQAAAAAAAAAAAA4D8AAAAAAADgPwAAAAAAAOA/AAAAAAAA4D8AAAAAAADgPwAAAAAAAOA/AAAAAAAA4D8AAAAAAADgPwAAAAAAAOA/AAAAAAAA4D8CAAAAjAAAAAEAAAAAAAAAIis1AP///wgAAAAAAAAAAAAAAAAAAAAAAAAAAAAAAAAAAAAAZAAAAAEAAABAAAAAAAAAAAAAAAAAAAAAAAAAAAAAAAAAAAAAAAAAAAAAAAAAAAAAAAAAAAAAAAAAAAAAAAAAAAAAAAAAAAAAAAAAAAAAAAAAAAAAAAAAAAAAAAAAAAAAFAAAADwAAAABAAAAAAAAAOfm5gooAAAAAQAAABQAAAAUAAAAFAAAAAEAAAAAAAAAZAAAAGQAAAAAAAAAZAAAAGQAAAAVAAAAYAAAAAAAAAAAAAAADwAAACADAAAAAAAAAAAAAAEAAACgMgAAVgcAAKr4//8BAAAAf39/AAEAAABkAAAAAAAAABQAAABAHwAAAAAAACYAAAAAAAAAwOD//wAAAAAmAAAAZAAAABYAAABMAAAAAAAAAAAAAAAEAAAAAAAAAAEAAADn5uYKAAAAACgAAAAoAAAAZAAAAGQAAAAAAAAAzMzMAAAAAABQAAAAUAAAAGQAAABkAAAAAAAAABcAAAAUAAAAAAAAAAAAAAD/fwAA/38AAAAAAAAJAAAABAAAAF8AYAAeAAAAaAAAAAAAAAAAAAAAAAAAAAAAAAAAAAAAECcAABAnAAAAAAAAAAAAAAAAAAAAAAAAAAAAAAAAAAAAAAAAAAAAABQAAAAAAAAAwMD/AAAAAABkAAAAMgAAAAAAAABkAAAAAAAAAH9/fwAKAAAAIgAAABgAAAAAAAAAAAAAAAAAAAAAAAAAAAAAAAAAAAAkAAAAJAAAAAAAAAAHAAAAAAAAAAAAAAAAAAAAAAAAAAAAAAAAAAAAf39/ACUAAABYAAAAAAAAAAAAAAAAAAAAAAAAAAAAAAAAAAAAAAAAAAAAAAAAAAAAAAAAAAAAAAA/AAAAAAAAAKCGAQAAAAAAAAAAAAAAAAAMAAAAAQAAAAAAAAAAAAAAAAAAAB8AAABUAAAAIis1AP///wEAAAAAAAAAAAAAAAAAAAAAAAAAAAAAAAAAAAAAAAAAAOfm5gN/f38A5+bmA8zMzADAwP8Af39/AAAAAAAAAAAAAAAAAAAAAAAAAAAAIQAAABgAAAAUAAAAQhQAAEkBAAC9NgAARAUAABAAAAAmAAAACAAAAP//////////"/>
               </a:ext>
             </a:extLst>
           </p:cNvSpPr>
@@ -13085,7 +13429,7 @@
               </a:defRPr>
             </a:pPr>
             <a:r>
-              <a:rPr lang="pt-br" sz="2800" b="1" i="1" cap="none">
+              <a:rPr lang="pt-br" sz="2800" b="1" i="1" cap="none" dirty="0">
                 <a:solidFill>
                   <a:srgbClr val="FFFFFF"/>
                 </a:solidFill>
@@ -13093,21 +13437,260 @@
                 <a:ea typeface="DejaVu Sans" charset="0"/>
                 <a:cs typeface="DejaVu Sans" charset="0"/>
               </a:rPr>
-              <a:t>Exemplos POO</a:t>
-            </a:r>
-            <a:endParaRPr lang="pt-br" sz="2800" cap="none"/>
+              <a:t>Entendendo “</a:t>
+            </a:r>
+            <a:r>
+              <a:rPr lang="pt-br" sz="2800" b="1" i="1" cap="none" dirty="0" err="1">
+                <a:solidFill>
+                  <a:srgbClr val="FFFFFF"/>
+                </a:solidFill>
+                <a:latin typeface="Montserrat" charset="0"/>
+                <a:ea typeface="DejaVu Sans" charset="0"/>
+                <a:cs typeface="DejaVu Sans" charset="0"/>
+              </a:rPr>
+              <a:t>This</a:t>
+            </a:r>
+            <a:r>
+              <a:rPr lang="pt-br" sz="2800" b="1" i="1" cap="none" dirty="0">
+                <a:solidFill>
+                  <a:srgbClr val="FFFFFF"/>
+                </a:solidFill>
+                <a:latin typeface="Montserrat" charset="0"/>
+                <a:ea typeface="DejaVu Sans" charset="0"/>
+                <a:cs typeface="DejaVu Sans" charset="0"/>
+              </a:rPr>
+              <a:t>”</a:t>
+            </a:r>
+            <a:endParaRPr lang="pt-br" sz="2800" cap="none" dirty="0"/>
+          </a:p>
+        </p:txBody>
+      </p:sp>
+      <p:sp>
+        <p:nvSpPr>
+          <p:cNvPr id="7" name="CustomShape 3">
+            <a:extLst>
+              <a:ext uri="{FF2B5EF4-FFF2-40B4-BE49-F238E27FC236}">
+                <a16:creationId xmlns:a16="http://schemas.microsoft.com/office/drawing/2014/main" id="{50DADFC6-CFC4-D193-89BA-88ACF5C635AF}"/>
+              </a:ext>
+            </a:extLst>
+          </p:cNvPr>
+          <p:cNvSpPr>
+            <a:extLst>
+              <a:ext uri="smNativeData">
+                <pr:smNativeData xmlns:mc="http://schemas.openxmlformats.org/markup-compatibility/2006" xmlns:p14="http://schemas.microsoft.com/office/powerpoint/2010/main" xmlns:p15="http://schemas.microsoft.com/office/powerpoint/2012/main" xmlns:pr="smNativeData" xmlns="smNativeData" val="SMDATA_15_q5OGZBMAAAAlAAAAZAAAAE0AAAAAjgAAAEcAAACOAAAARwAAAAAAAAAAAAAAAAAAAAEAAABQAAAAAAAAAAAA4D8AAAAAAADgPwAAAAAAAOA/AAAAAAAA4D8AAAAAAADgPwAAAAAAAOA/AAAAAAAA4D8AAAAAAADgPwAAAAAAAOA/AAAAAAAA4D8CAAAAjAAAAAAAAAAAAAAARHLEDP///wgAAAAAAAAAAAAAAAAAAAAAAAAAAAAAAAAAAAAAZAAAAAEAAABAAAAAAAAAAAAAAAAAAAAAAAAAAAAAAAAAAAAAAAAAAAAAAAAAAAAAAAAAAAAAAAAAAAAAAAAAAAAAAAAAAAAAAAAAAAAAAAAAAAAAAAAAAAAAAAAAAAAAFAAAADwAAAAAAAAAAAAAAAAAAAkUAAAAAQAAABQAAAAUAAAAFAAAAAEAAAAAAAAAZAAAAGQAAAAAAAAAZAAAAGQAAAAVAAAAYAAAAAAAAAAAAAAADwAAACADAAAAAAAAAAAAAAEAAACgMgAAVgcAAKr4//8BAAAAf39/AAEAAABkAAAAAAAAABQAAABAHwAAAAAAACYAAAAAAAAAwOD//wAAAAAmAAAAZAAAABYAAABMAAAAAAAAAAAAAAAEAAAAAAAAAAEAAADn5uYKAAAAACgAAAAoAAAAZAAAAGQAAAAAAAAAzMzMAAAAAABQAAAAUAAAAGQAAABkAAAAAAAAABcAAAAUAAAAAAAAAAAAAAD/fwAA/38AAAAAAAAJAAAABAAAAF8AYAAeAAAAaAAAAAAAAAAAAAAAAAAAAAAAAAAAAAAAECcAABAnAAAAAAAAAAAAAAAAAAAAAAAAAAAAAAAAAAAAAAAAAAAAABQAAAAAAAAAwMD/AAAAAABkAAAAMgAAAAAAAABkAAAAAAAAAH9/fwAKAAAAIgAAABgAAAAAAAAAAAAAAAAAAAAAAAAAAAAAAAAAAAAkAAAAJAAAAAAAAAAHAAAAAAAAAAAAAAAAAAAAAAAAAAAAAAAAAAAAf39/ACUAAABYAAAAAAAAAAAAAAAAAAAAAAAAAAAAAAAAAAAAAAAAAAAAAAAAAAAAAAAAAAAAAAA/AAAAAAAAAKCGAQAAAAAAAAAAAAAAAAAMAAAAAQAAAAAAAAAAAAAAAAAAAB8AAABUAAAARHLEBf///wEAAAAAAAAAAAAAAAAAAAAAAAAAAAAAAAAAAAAAAAAAAAAAAAJ/f38A5+bmA8zMzADAwP8Af39/AAAAAAAAAAAAAAAAAAAAAAAAAAAAIQAAABgAAAAUAAAAWgEAAHAIAAAvKgAA/iMAABAgAAAmAAAACAAAAP//////////"/>
+              </a:ext>
+            </a:extLst>
+          </p:cNvSpPr>
+          <p:nvPr/>
+        </p:nvSpPr>
+        <p:spPr>
+          <a:xfrm>
+            <a:off x="5720101" y="2559242"/>
+            <a:ext cx="5875655" cy="4479290"/>
+          </a:xfrm>
+          <a:prstGeom prst="rect">
+            <a:avLst/>
+          </a:prstGeom>
+          <a:noFill/>
+          <a:ln>
+            <a:noFill/>
+          </a:ln>
+          <a:effectLst/>
+        </p:spPr>
+        <p:txBody>
+          <a:bodyPr vert="horz" wrap="square" lIns="90170" tIns="45085" rIns="90170" bIns="45085" numCol="1" spcCol="215900" anchor="t"/>
+          <a:lstStyle/>
+          <a:p>
+            <a:pPr algn="l"/>
+            <a:r>
+              <a:rPr lang="pt-BR" dirty="0">
+                <a:solidFill>
+                  <a:srgbClr val="D1D5DB"/>
+                </a:solidFill>
+                <a:latin typeface="Söhne" charset="0"/>
+              </a:rPr>
+              <a:t>Nesse exemplo, usamos o "</a:t>
+            </a:r>
+            <a:r>
+              <a:rPr lang="pt-BR" dirty="0" err="1">
+                <a:solidFill>
+                  <a:srgbClr val="D1D5DB"/>
+                </a:solidFill>
+                <a:latin typeface="Söhne" charset="0"/>
+              </a:rPr>
+              <a:t>this</a:t>
+            </a:r>
+            <a:r>
+              <a:rPr lang="pt-BR" dirty="0">
+                <a:solidFill>
+                  <a:srgbClr val="D1D5DB"/>
+                </a:solidFill>
+                <a:latin typeface="Söhne" charset="0"/>
+              </a:rPr>
+              <a:t>" dentro do método "apresentar" para se referir ao objeto "pessoa" e acessar sua propriedade "nome". Quando chamamos o método "apresentar" a partir do objeto "pessoa", o "</a:t>
+            </a:r>
+            <a:r>
+              <a:rPr lang="pt-BR" dirty="0" err="1">
+                <a:solidFill>
+                  <a:srgbClr val="D1D5DB"/>
+                </a:solidFill>
+                <a:latin typeface="Söhne" charset="0"/>
+              </a:rPr>
+              <a:t>this</a:t>
+            </a:r>
+            <a:r>
+              <a:rPr lang="pt-BR" dirty="0">
+                <a:solidFill>
+                  <a:srgbClr val="D1D5DB"/>
+                </a:solidFill>
+                <a:latin typeface="Söhne" charset="0"/>
+              </a:rPr>
+              <a:t>" se refere ao próprio objeto "pessoa".</a:t>
+            </a:r>
+          </a:p>
+          <a:p>
+            <a:pPr algn="l"/>
+            <a:r>
+              <a:rPr lang="pt-BR" dirty="0">
+                <a:solidFill>
+                  <a:srgbClr val="D1D5DB"/>
+                </a:solidFill>
+                <a:latin typeface="Söhne" charset="0"/>
+              </a:rPr>
+              <a:t>Sem o uso do "</a:t>
+            </a:r>
+            <a:r>
+              <a:rPr lang="pt-BR" dirty="0" err="1">
+                <a:solidFill>
+                  <a:srgbClr val="D1D5DB"/>
+                </a:solidFill>
+                <a:latin typeface="Söhne" charset="0"/>
+              </a:rPr>
+              <a:t>this</a:t>
+            </a:r>
+            <a:r>
+              <a:rPr lang="pt-BR" dirty="0">
+                <a:solidFill>
+                  <a:srgbClr val="D1D5DB"/>
+                </a:solidFill>
+                <a:latin typeface="Söhne" charset="0"/>
+              </a:rPr>
+              <a:t>", teríamos que passar o nome da pessoa como um argumento para o método "apresentar", o que tornaria o código mais verboso.</a:t>
+            </a:r>
+          </a:p>
+          <a:p>
+            <a:pPr algn="l"/>
+            <a:r>
+              <a:rPr lang="pt-BR" dirty="0">
+                <a:solidFill>
+                  <a:srgbClr val="D1D5DB"/>
+                </a:solidFill>
+                <a:latin typeface="Söhne" charset="0"/>
+              </a:rPr>
+              <a:t>Em resumo, o "</a:t>
+            </a:r>
+            <a:r>
+              <a:rPr lang="pt-BR" dirty="0" err="1">
+                <a:solidFill>
+                  <a:srgbClr val="D1D5DB"/>
+                </a:solidFill>
+                <a:latin typeface="Söhne" charset="0"/>
+              </a:rPr>
+              <a:t>this</a:t>
+            </a:r>
+            <a:r>
+              <a:rPr lang="pt-BR" dirty="0">
+                <a:solidFill>
+                  <a:srgbClr val="D1D5DB"/>
+                </a:solidFill>
+                <a:latin typeface="Söhne" charset="0"/>
+              </a:rPr>
+              <a:t>" é uma palavra-chave importante em </a:t>
+            </a:r>
+            <a:r>
+              <a:rPr lang="pt-BR" dirty="0" err="1">
+                <a:solidFill>
+                  <a:srgbClr val="D1D5DB"/>
+                </a:solidFill>
+                <a:latin typeface="Söhne" charset="0"/>
+              </a:rPr>
+              <a:t>JavaScript</a:t>
+            </a:r>
+            <a:r>
+              <a:rPr lang="pt-BR" dirty="0">
+                <a:solidFill>
+                  <a:srgbClr val="D1D5DB"/>
+                </a:solidFill>
+                <a:latin typeface="Söhne" charset="0"/>
+              </a:rPr>
+              <a:t> que se refere ao objeto em um determinado contexto ou escopo. Ele pode ser usado para acessar e manipular propriedades e métodos de um objeto. Entender como o "</a:t>
+            </a:r>
+            <a:r>
+              <a:rPr lang="pt-BR" dirty="0" err="1">
+                <a:solidFill>
+                  <a:srgbClr val="D1D5DB"/>
+                </a:solidFill>
+                <a:latin typeface="Söhne" charset="0"/>
+              </a:rPr>
+              <a:t>this</a:t>
+            </a:r>
+            <a:r>
+              <a:rPr lang="pt-BR" dirty="0">
+                <a:solidFill>
+                  <a:srgbClr val="D1D5DB"/>
+                </a:solidFill>
+                <a:latin typeface="Söhne" charset="0"/>
+              </a:rPr>
+              <a:t>" funciona em diferentes situações pode ser útil para escrever código </a:t>
+            </a:r>
+            <a:r>
+              <a:rPr lang="pt-BR" dirty="0" err="1">
+                <a:solidFill>
+                  <a:srgbClr val="D1D5DB"/>
+                </a:solidFill>
+                <a:latin typeface="Söhne" charset="0"/>
+              </a:rPr>
+              <a:t>JavaScript</a:t>
+            </a:r>
+            <a:r>
+              <a:rPr lang="pt-BR" dirty="0">
+                <a:solidFill>
+                  <a:srgbClr val="D1D5DB"/>
+                </a:solidFill>
+                <a:latin typeface="Söhne" charset="0"/>
+              </a:rPr>
+              <a:t> mais eficiente e claro.</a:t>
+            </a:r>
+          </a:p>
+          <a:p>
+            <a:pPr>
+              <a:defRPr lang="pt-br" cap="none">
+                <a:latin typeface="Arial" pitchFamily="2" charset="0"/>
+                <a:ea typeface="DejaVu Sans" charset="0"/>
+                <a:cs typeface="DejaVu Sans" charset="0"/>
+              </a:defRPr>
+            </a:pPr>
+            <a:endParaRPr lang="pt-BR" b="0" i="0" dirty="0">
+              <a:solidFill>
+                <a:srgbClr val="374151"/>
+              </a:solidFill>
+              <a:effectLst/>
+              <a:latin typeface="Söhne"/>
+            </a:endParaRPr>
           </a:p>
         </p:txBody>
       </p:sp>
       <p:pic>
         <p:nvPicPr>
-          <p:cNvPr id="4" name="Imagem 230"/>
+          <p:cNvPr id="9" name="Imagem 8">
+            <a:extLst>
+              <a:ext uri="{FF2B5EF4-FFF2-40B4-BE49-F238E27FC236}">
+                <a16:creationId xmlns:a16="http://schemas.microsoft.com/office/drawing/2014/main" id="{1CCEECF8-34F2-625C-A591-C76AB0C3367B}"/>
+              </a:ext>
+            </a:extLst>
+          </p:cNvPr>
           <p:cNvPicPr>
-            <a:extLst>
-              <a:ext uri="smNativeData">
-                <pr:smNativeData xmlns="smNativeData" xmlns:pr="smNativeData" xmlns:p15="http://schemas.microsoft.com/office/powerpoint/2012/main" xmlns:p14="http://schemas.microsoft.com/office/powerpoint/2010/main" xmlns:mc="http://schemas.openxmlformats.org/markup-compatibility/2006" val="SMDATA_17_q5OGZBMAAAAlAAAAEQAAAA0AAAAAkAAAAEgAAACQAAAASAAAAAAAAAAAAAAAAAAAAAEAAABQAAAAAAAAAAAA4D8AAAAAAADgPwAAAAAAAOA/AAAAAAAA4D8AAAAAAADgPwAAAAAAAOA/AAAAAAAA4D8AAAAAAADgPwAAAAAAAOA/AAAAAAAA4D8CAAAAjAAAAAAAAAAAAAAARHLEDP///wgAAAAAAAAAAAAAAAAAAAAAAAAAAAAAAAAAAAAAZAAAAAEAAABAAAAAAAAAAAAAAAAAAAAAAAAAAAAAAAAAAAAAAAAAAAAAAAAAAAAAAAAAAAAAAAAAAAAAAAAAAAAAAAAAAAAAAAAAAAAAAAAAAAAAAAAAAAAAAAAAAAAAFAAAADwAAAAAAAAAAAAAAAAAAAkUAAAAAQAAABQAAAAUAAAAFAAAAAEAAAAAAAAAZAAAAGQAAAAAAAAAZAAAAGQAAAAVAAAAYAAAAAAAAAAAAAAADwAAACADAAAAAAAAAAAAAAEAAACgMgAAVgcAAKr4//8BAAAAf39/AAEAAABkAAAAAAAAABQAAABAHwAAAAAAACYAAAAAAAAAwOD//wAAAAAmAAAAZAAAABYAAABMAAAAAAAAAAAAAAAEAAAAAAAAAAEAAADn5uYKAAAAACgAAAAoAAAAZAAAAGQAAAAAAAAAzMzMAAAAAABQAAAAUAAAAGQAAABkAAAAAAAAAAcAAAA4AAAAAAAAAAAAAAAAAAAA////AAAAAAAAAAAAAAAAAAAAAAAAAAAAAAAAAAAAAABkAAAAZAAAAAAAAAAjAAAABAAAAGQAAAAXAAAAFAAAAAAAAAAAAAAA/38AAP9/AAAAAAAACQAAAAQAAAAOAAAAHgAAAGgAAAAAAAAAAAAAAAAAAAAAAAAAAAAAABAnAAAQJwAAAAAAAAAAAAAAAAAAAAAAAAAAAAAAAAAAAAAAAAAAAAAUAAAAAAAAAMDA/wAAAAAAZAAAADIAAAAAAAAAZAAAAAAAAAB/f38ACgAAACIAAAAYAAAAAAAAAAAAAAAAAAAAAAAAAAAAAAAAAAAAJAAAACQAAAAAAAAABwAAAAAAAAAAAAAAAAAAAAAAAAAAAAAAAAAAAH9/fwAlAAAAWAAAAAAAAAAAAAAAAAAAAAAAAAAAAAAAAAAAAAAAAAAAAAAAAAAAAAAAAAAAAAAAPwAAAAAAAACghgEAAAAAAAAAAAAAAAAADAAAAAEAAAAAAAAAAAAAAAAAAAAfAAAAVAAAAERyxAX///8BAAAAAAAAAAAAAAAAAAAAAAAAAAAAAAAAAAAAAAAAAAAAAAACf39/AOfm5gPMzMwAwMD/AH9/fwAAAAAAAAAAAAAAAAD///8AAAAAACEAAAAYAAAAFAAAAKAFAABwCAAA9yUAALwmAAAQAAAAJgAAAAgAAAD//////////w=="/>
-              </a:ext>
-            </a:extLst>
+            <a:picLocks noChangeAspect="1"/>
           </p:cNvPicPr>
           <p:nvPr/>
         </p:nvPicPr>
@@ -13119,53 +13702,20 @@
         </p:blipFill>
         <p:spPr>
           <a:xfrm>
-            <a:off x="914400" y="1371600"/>
-            <a:ext cx="5257165" cy="4925060"/>
+            <a:off x="6663055" y="1188021"/>
+            <a:ext cx="2949196" cy="1379340"/>
           </a:xfrm>
           <a:prstGeom prst="rect">
             <a:avLst/>
           </a:prstGeom>
-          <a:noFill/>
-          <a:ln>
-            <a:noFill/>
-          </a:ln>
-          <a:effectLst/>
-        </p:spPr>
-      </p:pic>
-      <p:pic>
-        <p:nvPicPr>
-          <p:cNvPr id="5" name="Imagem 231"/>
-          <p:cNvPicPr>
-            <a:extLst>
-              <a:ext uri="smNativeData">
-                <pr:smNativeData xmlns="smNativeData" xmlns:pr="smNativeData" xmlns:p15="http://schemas.microsoft.com/office/powerpoint/2012/main" xmlns:p14="http://schemas.microsoft.com/office/powerpoint/2010/main" xmlns:mc="http://schemas.openxmlformats.org/markup-compatibility/2006" val="SMDATA_17_q5OGZBMAAAAlAAAAEQAAAA0AAAAAkAAAAEgAAACQAAAASAAAAAAAAAAAAAAAAAAAAAEAAABQAAAAAAAAAAAA4D8AAAAAAADgPwAAAAAAAOA/AAAAAAAA4D8AAAAAAADgPwAAAAAAAOA/AAAAAAAA4D8AAAAAAADgPwAAAAAAAOA/AAAAAAAA4D8CAAAAjAAAAAAAAAAAAAAARHLEDP///wgAAAAAAAAAAAAAAAAAAAAAAAAAAAAAAAAAAAAAZAAAAAEAAABAAAAAAAAAAAAAAAAAAAAAAAAAAAAAAAAAAAAAAAAAAAAAAAAAAAAAAAAAAAAAAAAAAAAAAAAAAAAAAAAAAAAAAAAAAAAAAAAAAAAAAAAAAAAAAAAAAAAAFAAAADwAAAAAAAAAAAAAAAAAAAkUAAAAAQAAABQAAAAUAAAAFAAAAAEAAAAAAAAAZAAAAGQAAAAAAAAAZAAAAGQAAAAVAAAAYAAAAAAAAAAAAAAADwAAACADAAAAAAAAAAAAAAEAAACgMgAAVgcAAKr4//8BAAAAf39/AAEAAABkAAAAAAAAABQAAABAHwAAAAAAACYAAAAAAAAAwOD//wAAAAAmAAAAZAAAABYAAABMAAAAAAAAAAAAAAAEAAAAAAAAAAEAAADn5uYKAAAAACgAAAAoAAAAZAAAAGQAAAAAAAAAzMzMAAAAAABQAAAAUAAAAGQAAABkAAAAAAAAAAcAAAA4AAAAAAAAAAAAAAAAAAAA////AAAAAAAAAAAAAAAAAAAAAAAAAAAAAAAAAAAAAABkAAAAZAAAAAAAAAAjAAAABAAAAGQAAAAXAAAAFAAAAAAAAAAAAAAA/38AAP9/AAAAAAAACQAAAAQAAAABAAAAHgAAAGgAAAAAAAAAAAAAAAAAAAAAAAAAAAAAABAnAAAQJwAAAAAAAAAAAAAAAAAAAAAAAAAAAAAAAAAAAAAAAAAAAAAUAAAAAAAAAMDA/wAAAAAAZAAAADIAAAAAAAAAZAAAAAAAAAB/f38ACgAAACIAAAAYAAAAAAAAAAAAAAAAAAAAAAAAAAAAAAAAAAAAJAAAACQAAAAAAAAABwAAAAAAAAAAAAAAAAAAAAAAAAAAAAAAAAAAAH9/fwAlAAAAWAAAAAAAAAAAAAAAAAAAAAAAAAAAAAAAAAAAAAAAAAAAAAAAAAAAAAAAAAAAAAAAPwAAAAAAAACghgEAAAAAAAAAAAAAAAAADAAAAAEAAAAAAAAAAAAAAAAAAAAfAAAAVAAAAERyxAX///8BAAAAAAAAAAAAAAAAAAAAAAAAAAAAAAAAAAAAAAAAAAAAAAACf39/AOfm5gPMzMwAwMD/AH9/fwAAAAAAAAAAAAAAAAD///8AAAAAACEAAAAYAAAAFAAAAH0pAABACwAAH0kAAI8kAAAQAAAAJgAAAAgAAAD//////////w=="/>
-              </a:ext>
-            </a:extLst>
-          </p:cNvPicPr>
-          <p:nvPr/>
-        </p:nvPicPr>
-        <p:blipFill>
-          <a:blip r:embed="rId3"/>
-          <a:stretch>
-            <a:fillRect/>
-          </a:stretch>
-        </p:blipFill>
-        <p:spPr>
-          <a:xfrm>
-            <a:off x="6744335" y="1828800"/>
-            <a:ext cx="5142230" cy="4114165"/>
-          </a:xfrm>
-          <a:prstGeom prst="rect">
-            <a:avLst/>
-          </a:prstGeom>
-          <a:noFill/>
-          <a:ln>
-            <a:noFill/>
-          </a:ln>
-          <a:effectLst/>
         </p:spPr>
       </p:pic>
     </p:spTree>
+    <p:extLst>
+      <p:ext uri="{BB962C8B-B14F-4D97-AF65-F5344CB8AC3E}">
+        <p14:creationId xmlns:p14="http://schemas.microsoft.com/office/powerpoint/2010/main" val="3842063487"/>
+      </p:ext>
+    </p:extLst>
   </p:cSld>
   <p:clrMapOvr>
     <a:masterClrMapping/>
@@ -13176,14 +13726,6 @@
 <file path=ppt/slides/slide19.xml><?xml version="1.0" encoding="utf-8"?>
 <p:sld xmlns:a="http://schemas.openxmlformats.org/drawingml/2006/main" xmlns:r="http://schemas.openxmlformats.org/officeDocument/2006/relationships" xmlns:p="http://schemas.openxmlformats.org/presentationml/2006/main">
   <p:cSld>
-    <p:bg>
-      <p:bgPr>
-        <a:solidFill>
-          <a:srgbClr val="000000"/>
-        </a:solidFill>
-        <a:effectLst/>
-      </p:bgPr>
-    </p:bg>
     <p:spTree>
       <p:nvGrpSpPr>
         <p:cNvPr id="1" name=""/>
@@ -13204,7 +13746,34 @@
           <p:cNvSpPr>
             <a:extLst>
               <a:ext uri="smNativeData">
-                <pr:smNativeData xmlns="smNativeData" xmlns:pr="smNativeData" xmlns:p15="http://schemas.microsoft.com/office/powerpoint/2012/main" xmlns:p14="http://schemas.microsoft.com/office/powerpoint/2010/main" xmlns:mc="http://schemas.openxmlformats.org/markup-compatibility/2006" val="SMDATA_15_q5OGZBMAAAAlAAAAqgAAAA0AAAAAkAAAAEgAAACQAAAASAAAAAAAAAAAAAAAAAAAAAEAAABQAAAAda9fBcX/xz8AAAAAAADgPwAAAAAAAOA/AAAAAAAA4D8AAAAAAADgPwAAAAAAAOA/AAAAAAAA4D8AAAAAAADgPwAAAAAAAOA/AAAAAAAA4D8CAAAAjAAAAAEAAAAAAAAANEBQAP///wgAAAAAAAAAAAAAAAAAAAAAAAAAAAAAAAAAAAAAZAAAAAEAAABAAAAAAAAAAAAAAAAAAAAAAAAAAAAAAAAAAAAAAAAAAAAAAAAAAAAAAAAAAAAAAAAAAAAAAAAAAAAAAAAAAAAAAAAAAAAAAAAAAAAAAAAAAAAAAAAAAAAAFAAAADwAAAABAAAAAAAAAP///wgoAAAAAQAAABQAAAAUAAAAFAAAAAEAAAAAAAAAZAAAAGQAAAAAAAAAZAAAAGQAAAAVAAAAYAAAAAAAAAAAAAAADwAAACADAAAAAAAAAAAAAAEAAACgMgAAVgcAAKr4//8BAAAAf39/AAEAAABkAAAAAAAAABQAAABAHwAAAAAAACYAAAAAAAAAwOD//wAAAAAmAAAAZAAAABYAAABMAAAAAAAAAAAAAAAEAAAAAAAAAAEAAADn5uYKAAAAACgAAAAoAAAAZAAAAGQAAAAAAAAAzMzMAAAAAABQAAAAUAAAAGQAAABkAAAAAAAAABcAAAAUAAAAAAAAAAAAAAD/fwAA/38AAAAAAAAJAAAABAAAAPz///8eAAAAaAAAAAAAAAAAAAAAAAAAAAAAAAAAAAAAECcAABAnAAAAAAAAAAAAAAAAAAAAAAAAAAAAAAAAAAAAAAAAAAAAABQAAAAAAAAAwMD/AAAAAABkAAAAMgAAAAAAAABkAAAAAAAAAH9/fwAKAAAAIgAAABgAAAAAAAAAAAAAAAAAAAAAAAAAAAAAAAAAAAAkAAAAJAAAAAAAAAAHAAAAAAAAAAAAAAAAAAAAAAAAAAAAAAAAAAAAf39/ACUAAABYAAAAAAAAAAAAAAAAAAAAAAAAAAAAAAAAAAAAAAAAAAAAAAAAAAAAAAAAAAAAAAA/AAAAAAAAAKCGAQAAAAAAAAAAAAAAAAAMAAAAAQAAAAAAAAAAAAAAAAAAAB8AAABUAAAANEBQAP///wEAAAAAAAAAAAAAAAAAAAAAAAAAAAAAAAAAAAAAAAAAAP///wF/f38A5+bmA8zMzADAwP8Af39/AAAAAAAAAAAAAAAAAAAAAAAAAAAAIQAAABgAAAAUAAAAAAAAAAAAAAD/SgAALyoAABAAAAAmAAAACAAAAP//////////"/>
+                <pr:smNativeData xmlns:mc="http://schemas.openxmlformats.org/markup-compatibility/2006" xmlns:p14="http://schemas.microsoft.com/office/powerpoint/2010/main" xmlns:p15="http://schemas.microsoft.com/office/powerpoint/2012/main" xmlns:pr="smNativeData" xmlns="smNativeData" val="SMDATA_15_q5OGZBMAAAAlAAAAZAAAAA0AAAAAkAAAAEgAAACQAAAASAAAAAAAAAAAAAAAAAAAAAEAAABQAAAAAAAAAAAA4D8AAAAAAADgPwAAAAAAAOA/AAAAAAAA4D8AAAAAAADgPwAAAAAAAOA/AAAAAAAA4D8AAAAAAADgPwAAAAAAAOA/AAAAAAAA4D8CAAAAjAAAAAAAAAAAAAAARHLEDP///wgAAAAAAAAAAAAAAAAAAAAAAAAAAAAAAAAAAAAAZAAAAAEAAABAAAAAAAAAAAAAAAAAAAAAAAAAAAAAAAAAAAAAAAAAAAAAAAAAAAAAAAAAAAAAAAAAAAAAAAAAAAAAAAAAAAAAAAAAAAAAAAAAAAAAAAAAAAAAAAAAAAAAFAAAADwAAAAAAAAAAAAAAAAAAAkUAAAAAQAAABQAAAAUAAAAFAAAAAEAAAAAAAAAZAAAAGQAAAAAAAAAZAAAAGQAAAAVAAAAYAAAAAAAAAAAAAAADwAAACADAAAAAAAAAAAAAAEAAACgMgAAVgcAAKr4//8BAAAAf39/AAEAAABkAAAAAAAAABQAAABAHwAAAAAAACYAAAAAAAAAwOD//wAAAAAmAAAAZAAAABYAAABMAAAAAAAAAAAAAAAEAAAAAAAAAAEAAADn5uYKAAAAACgAAAAoAAAAZAAAAGQAAAAAAAAAzMzMAAAAAABQAAAAUAAAAGQAAABkAAAAAAAAABcAAAAUAAAAAAAAAAAAAAD/fwAA/38AAAAAAAAJAAAABAAAAF8AYAAeAAAAaAAAAAAAAAAAAAAAAAAAAAAAAAAAAAAAECcAABAnAAAAAAAAAAAAAAAAAAAAAAAAAAAAAAAAAAAAAAAAAAAAABQAAAAAAAAAwMD/AAAAAABkAAAAMgAAAAAAAABkAAAAAAAAAH9/fwAKAAAAIgAAABgAAAAAAAAAAAAAAAAAAAAAAAAAAAAAAAAAAAAkAAAAJAAAAAAAAAAHAAAAAAAAAAAAAAAAAAAAAAAAAAAAAAAAAAAAf39/ACUAAABYAAAAAAAAAAAAAAAAAAAAAAAAAAAAAAAAAAAAAAAAAAAAAAAAAAAAAAAAAAAAAAA/AAAAAAAAAKCGAQAAAAAAAAAAAAAAAAAMAAAAAQAAAAAAAAAAAAAAAAAAAB8AAABUAAAARHLEBf///wEAAAAAAAAAAAAAAAAAAAAAAAAAAAAAAAAAAAAAAAAAAAAAAAJ/f38A5+bmA8zMzADAwP8Af39/AAAAAAAAAAAAAAAAAAAAAAAAAAAAIQAAABgAAAAUAAAAKAUAAJ8BAADXRQAAxQkAABAAAAAmAAAACAAAAP//////////"/>
+              </a:ext>
+            </a:extLst>
+          </p:cNvSpPr>
+          <p:nvPr/>
+        </p:nvSpPr>
+        <p:spPr>
+          <a:xfrm>
+            <a:off x="838200" y="263525"/>
+            <a:ext cx="10514965" cy="1324610"/>
+          </a:xfrm>
+          <a:prstGeom prst="rect">
+            <a:avLst/>
+          </a:prstGeom>
+          <a:noFill/>
+          <a:ln>
+            <a:noFill/>
+          </a:ln>
+          <a:effectLst/>
+        </p:spPr>
+      </p:sp>
+      <p:sp>
+        <p:nvSpPr>
+          <p:cNvPr id="3" name="CustomShape 2"/>
+          <p:cNvSpPr>
+            <a:extLst>
+              <a:ext uri="smNativeData">
+                <pr:smNativeData xmlns:mc="http://schemas.openxmlformats.org/markup-compatibility/2006" xmlns:p14="http://schemas.microsoft.com/office/powerpoint/2010/main" xmlns:p15="http://schemas.microsoft.com/office/powerpoint/2012/main" xmlns:pr="smNativeData" xmlns="smNativeData" val="SMDATA_15_q5OGZBMAAAAlAAAAqgAAAA0AAAAAkAAAAEgAAACQAAAASAAAAAAAAAAAAAAAAAAAAAEAAABQAAAAda9fBcX/xz8AAAAAAADgPwAAAAAAAOA/AAAAAAAA4D8AAAAAAADgPwAAAAAAAOA/AAAAAAAA4D8AAAAAAADgPwAAAAAAAOA/AAAAAAAA4D8CAAAAjAAAAAEAAAAAAAAANEBQAP///wgAAAAAAAAAAAAAAAAAAAAAAAAAAAAAAAAAAAAAZAAAAAEAAABAAAAAAAAAAAAAAAAAAAAAAAAAAAAAAAAAAAAAAAAAAAAAAAAAAAAAAAAAAAAAAAAAAAAAAAAAAAAAAAAAAAAAAAAAAAAAAAAAAAAAAAAAAAAAAAAAAAAAFAAAADwAAAABAAAAAAAAAP///wgoAAAAAQAAABQAAAAUAAAAFAAAAAEAAAAAAAAAZAAAAGQAAAAAAAAAZAAAAGQAAAAVAAAAYAAAAAAAAAAAAAAADwAAACADAAAAAAAAAAAAAAEAAACgMgAAVgcAAKr4//8BAAAAf39/AAEAAABkAAAAAAAAABQAAABAHwAAAAAAACYAAAAAAAAAwOD//wAAAAAmAAAAZAAAABYAAABMAAAAAAAAAAAAAAAEAAAAAAAAAAEAAADn5uYKAAAAACgAAAAoAAAAZAAAAGQAAAAAAAAAzMzMAAAAAABQAAAAUAAAAGQAAABkAAAAAAAAABcAAAAUAAAAAAAAAAAAAAD/fwAA/38AAAAAAAAJAAAABAAAAAAAAAAeAAAAaAAAAAAAAAAAAAAAAAAAAAAAAAAAAAAAECcAABAnAAAAAAAAAAAAAAAAAAAAAAAAAAAAAAAAAAAAAAAAAAAAABQAAAAAAAAAwMD/AAAAAABkAAAAMgAAAAAAAABkAAAAAAAAAH9/fwAKAAAAIgAAABgAAAAAAAAAAAAAAAAAAAAAAAAAAAAAAAAAAAAkAAAAJAAAAAAAAAAHAAAAAAAAAAAAAAAAAAAAAAAAAAAAAAAAAAAAf39/ACUAAABYAAAAAAAAAAAAAAAAAAAAAAAAAAAAAAAAAAAAAAAAAAAAAAAAAAAAAAAAAAAAAAA/AAAAAAAAAKCGAQAAAAAAAAAAAAAAAAAMAAAAAQAAAAAAAAAAAAAAAAAAAB8AAABUAAAANEBQAP///wEAAAAAAAAAAAAAAAAAAAAAAAAAAAAAAAAAAAAAAAAAAP///wF/f38A5+bmA8zMzADAwP8Af39/AAAAAAAAAAAAAAAAAAAAAAAAAAAAIQAAABgAAAAUAAAAAAAAAAAAAAD/SgAALyoAABAAAAAmAAAACAAAAP//////////"/>
               </a:ext>
             </a:extLst>
           </p:cNvSpPr>
@@ -13233,14 +13802,21 @@
           </a:ln>
           <a:effectLst/>
         </p:spPr>
-      </p:sp>
-      <p:sp>
-        <p:nvSpPr>
-          <p:cNvPr id="3" name="CustomShape 2"/>
-          <p:cNvSpPr>
-            <a:extLst>
-              <a:ext uri="smNativeData">
-                <pr:smNativeData xmlns="smNativeData" xmlns:pr="smNativeData" xmlns:p15="http://schemas.microsoft.com/office/powerpoint/2012/main" xmlns:p14="http://schemas.microsoft.com/office/powerpoint/2010/main" xmlns:mc="http://schemas.openxmlformats.org/markup-compatibility/2006" val="SMDATA_15_q5OGZBMAAAAlAAAAZAAAAA0AAAAAjgAAAEcAAACOAAAARwAAAAAAAAABAAAAAAAAAAEAAABQAAAAAAAAAAAA4D8AAAAAAADgPwAAAAAAAOA/AAAAAAAA4D8AAAAAAADgPwAAAAAAAOA/AAAAAAAA4D8AAAAAAADgPwAAAAAAAOA/AAAAAAAA4D8CAAAAjAAAAAEAAAAAAAAAIis1AP///wgAAAAAAAAAAAAAAAAAAAAAAAAAAAAAAAAAAAAAZAAAAAEAAABAAAAAAAAAAAAAAAAAAAAAAAAAAAAAAAAAAAAAAAAAAAAAAAAAAAAAAAAAAAAAAAAAAAAAAAAAAAAAAAAAAAAAAAAAAAAAAAAAAAAAAAAAAAAAAAAAAAAAFAAAADwAAAABAAAAAAAAAOfm5gooAAAAAQAAABQAAAAUAAAAFAAAAAEAAAAAAAAAZAAAAGQAAAAAAAAAZAAAAGQAAAAVAAAAYAAAAAAAAAAAAAAADwAAACADAAAAAAAAAAAAAAEAAACgMgAAVgcAAKr4//8BAAAAf39/AAEAAABkAAAAAAAAABQAAABAHwAAAAAAACYAAAAAAAAAwOD//wAAAAAmAAAAZAAAABYAAABMAAAAAAAAAAAAAAAEAAAAAAAAAAEAAADn5uYKAAAAACgAAAAoAAAAZAAAAGQAAAAAAAAAzMzMAAAAAABQAAAAUAAAAGQAAABkAAAAAAAAABcAAAAUAAAAAAAAAAAAAAD/fwAA/38AAAAAAAAJAAAABAAAAPP///8eAAAAaAAAAAAAAAAAAAAAAAAAAAAAAAAAAAAAECcAABAnAAAAAAAAAAAAAAAAAAAAAAAAAAAAAAAAAAAAAAAAAAAAABQAAAAAAAAAwMD/AAAAAABkAAAAMgAAAAAAAABkAAAAAAAAAH9/fwAKAAAAIgAAABgAAAAAAAAAAAAAAAAAAAAAAAAAAAAAAAAAAAAkAAAAJAAAAAAAAAAHAAAAAAAAAAAAAAAAAAAAAAAAAAAAAAAAAAAAf39/ACUAAABYAAAAAAAAAAAAAAAAAAAAAAAAAAAAAAAAAAAAAAAAAAAAAAAAAAAAAAAAAAAAAAA/AAAAAAAAAKCGAQAAAAAAAAAAAAAAAAAMAAAAAQAAAAAAAAAAAAAAAAAAAB8AAABUAAAAIis1AP///wEAAAAAAAAAAAAAAAAAAAAAAAAAAAAAAAAAAAAAAAAAAOfm5gN/f38A5+bmA8zMzADAwP8Af39/AAAAAAAAAAAAAAAAAAAAAAAAAAAAIQAAABgAAAAUAAAAQhQAAEkBAAC9NgAARAUAABAAAAAmAAAACAAAAP//////////"/>
+        <p:txBody>
+          <a:bodyPr/>
+          <a:lstStyle/>
+          <a:p>
+            <a:endParaRPr lang="pt-BR" dirty="0"/>
+          </a:p>
+        </p:txBody>
+      </p:sp>
+      <p:sp>
+        <p:nvSpPr>
+          <p:cNvPr id="4" name="CustomShape 3"/>
+          <p:cNvSpPr>
+            <a:extLst>
+              <a:ext uri="smNativeData">
+                <pr:smNativeData xmlns:mc="http://schemas.openxmlformats.org/markup-compatibility/2006" xmlns:p14="http://schemas.microsoft.com/office/powerpoint/2010/main" xmlns:p15="http://schemas.microsoft.com/office/powerpoint/2012/main" xmlns:pr="smNativeData" xmlns="smNativeData" val="SMDATA_15_q5OGZBMAAAAlAAAAZAAAAE0AAAAAjgAAAEcAAACOAAAARwAAAAAAAAAAAAAAAAAAAAEAAABQAAAAAAAAAAAA4D8AAAAAAADgPwAAAAAAAOA/AAAAAAAA4D8AAAAAAADgPwAAAAAAAOA/AAAAAAAA4D8AAAAAAADgPwAAAAAAAOA/AAAAAAAA4D8CAAAAjAAAAAAAAAAAAAAARHLEDP///wgAAAAAAAAAAAAAAAAAAAAAAAAAAAAAAAAAAAAAZAAAAAEAAABAAAAAAAAAAAAAAAAAAAAAAAAAAAAAAAAAAAAAAAAAAAAAAAAAAAAAAAAAAAAAAAAAAAAAAAAAAAAAAAAAAAAAAAAAAAAAAAAAAAAAAAAAAAAAAAAAAAAAFAAAADwAAAAAAAAAAAAAAAAAAAkUAAAAAQAAABQAAAAUAAAAFAAAAAEAAAAAAAAAZAAAAGQAAAAAAAAAZAAAAGQAAAAVAAAAYAAAAAAAAAAAAAAADwAAACADAAAAAAAAAAAAAAEAAACgMgAAVgcAAKr4//8BAAAAf39/AAEAAABkAAAAAAAAABQAAABAHwAAAAAAACYAAAAAAAAAwOD//wAAAAAmAAAAZAAAABYAAABMAAAAAAAAAAAAAAAEAAAAAAAAAAEAAADn5uYKAAAAACgAAAAoAAAAZAAAAGQAAAAAAAAAzMzMAAAAAABQAAAAUAAAAGQAAABkAAAAAAAAABcAAAAUAAAAAAAAAAAAAAD/fwAA/38AAAAAAAAJAAAABAAAAF8AYAAeAAAAaAAAAAAAAAAAAAAAAAAAAAAAAAAAAAAAECcAABAnAAAAAAAAAAAAAAAAAAAAAAAAAAAAAAAAAAAAAAAAAAAAABQAAAAAAAAAwMD/AAAAAABkAAAAMgAAAAAAAABkAAAAAAAAAH9/fwAKAAAAIgAAABgAAAAAAAAAAAAAAAAAAAAAAAAAAAAAAAAAAAAkAAAAJAAAAAAAAAAHAAAAAAAAAAAAAAAAAAAAAAAAAAAAAAAAAAAAf39/ACUAAABYAAAAAAAAAAAAAAAAAAAAAAAAAAAAAAAAAAAAAAAAAAAAAAAAAAAAAAAAAAAAAAA/AAAAAAAAAKCGAQAAAAAAAAAAAAAAAAAMAAAAAQAAAAAAAAAAAAAAAAAAAB8AAABUAAAARHLEBf///wEAAAAAAAAAAAAAAAAAAAAAAAAAAAAAAAAAAAAAAAAAAAAAAAJ/f38A5+bmA8zMzADAwP8Af39/AAAAAAAAAAAAAAAAAAAAAAAAAAAAIQAAABgAAAAUAAAAWgEAAHAIAAAvKgAA/iMAABAgAAAmAAAACAAAAP//////////"/>
               </a:ext>
             </a:extLst>
           </p:cNvSpPr>
@@ -13248,8 +13824,231 @@
         </p:nvSpPr>
         <p:spPr>
           <a:xfrm>
+            <a:off x="219710" y="1371599"/>
+            <a:ext cx="5605145" cy="4852219"/>
+          </a:xfrm>
+          <a:prstGeom prst="rect">
+            <a:avLst/>
+          </a:prstGeom>
+          <a:noFill/>
+          <a:ln>
+            <a:noFill/>
+          </a:ln>
+          <a:effectLst/>
+        </p:spPr>
+        <p:txBody>
+          <a:bodyPr vert="horz" wrap="square" lIns="90170" tIns="45085" rIns="90170" bIns="45085" numCol="1" spcCol="215900" anchor="t"/>
+          <a:lstStyle/>
+          <a:p>
+            <a:pPr>
+              <a:defRPr lang="pt-br" cap="none">
+                <a:latin typeface="Arial" pitchFamily="2" charset="0"/>
+                <a:ea typeface="DejaVu Sans" charset="0"/>
+                <a:cs typeface="DejaVu Sans" charset="0"/>
+              </a:defRPr>
+            </a:pPr>
+            <a:endParaRPr lang="pt-br" dirty="0">
+              <a:solidFill>
+                <a:srgbClr val="D1D5DB"/>
+              </a:solidFill>
+              <a:latin typeface="Söhne" charset="0"/>
+            </a:endParaRPr>
+          </a:p>
+          <a:p>
+            <a:pPr>
+              <a:defRPr lang="pt-br" cap="none">
+                <a:latin typeface="Arial" pitchFamily="2" charset="0"/>
+                <a:ea typeface="DejaVu Sans" charset="0"/>
+                <a:cs typeface="DejaVu Sans" charset="0"/>
+              </a:defRPr>
+            </a:pPr>
+            <a:r>
+              <a:rPr lang="pt-BR" dirty="0">
+                <a:solidFill>
+                  <a:srgbClr val="D1D5DB"/>
+                </a:solidFill>
+                <a:latin typeface="Söhne" charset="0"/>
+              </a:rPr>
+              <a:t>Método de um objeto:</a:t>
+            </a:r>
+          </a:p>
+          <a:p>
+            <a:pPr marL="342900" indent="-342900">
+              <a:buAutoNum type="arabicParenR"/>
+              <a:defRPr lang="pt-br" cap="none">
+                <a:latin typeface="Arial" pitchFamily="2" charset="0"/>
+                <a:ea typeface="DejaVu Sans" charset="0"/>
+                <a:cs typeface="DejaVu Sans" charset="0"/>
+              </a:defRPr>
+            </a:pPr>
+            <a:endParaRPr lang="pt-BR" dirty="0">
+              <a:solidFill>
+                <a:srgbClr val="D1D5DB"/>
+              </a:solidFill>
+              <a:latin typeface="Söhne" charset="0"/>
+            </a:endParaRPr>
+          </a:p>
+          <a:p>
+            <a:pPr marL="342900" indent="-342900">
+              <a:buAutoNum type="arabicParenR"/>
+              <a:defRPr lang="pt-br" cap="none">
+                <a:latin typeface="Arial" pitchFamily="2" charset="0"/>
+                <a:ea typeface="DejaVu Sans" charset="0"/>
+                <a:cs typeface="DejaVu Sans" charset="0"/>
+              </a:defRPr>
+            </a:pPr>
+            <a:endParaRPr lang="pt-BR" dirty="0">
+              <a:solidFill>
+                <a:srgbClr val="D1D5DB"/>
+              </a:solidFill>
+              <a:latin typeface="Söhne" charset="0"/>
+            </a:endParaRPr>
+          </a:p>
+          <a:p>
+            <a:pPr marL="342900" indent="-342900">
+              <a:buAutoNum type="arabicParenR"/>
+              <a:defRPr lang="pt-br" cap="none">
+                <a:latin typeface="Arial" pitchFamily="2" charset="0"/>
+                <a:ea typeface="DejaVu Sans" charset="0"/>
+                <a:cs typeface="DejaVu Sans" charset="0"/>
+              </a:defRPr>
+            </a:pPr>
+            <a:endParaRPr lang="pt-BR" dirty="0">
+              <a:solidFill>
+                <a:srgbClr val="D1D5DB"/>
+              </a:solidFill>
+              <a:latin typeface="Söhne" charset="0"/>
+            </a:endParaRPr>
+          </a:p>
+          <a:p>
+            <a:pPr marL="342900" indent="-342900">
+              <a:buAutoNum type="arabicParenR"/>
+              <a:defRPr lang="pt-br" cap="none">
+                <a:latin typeface="Arial" pitchFamily="2" charset="0"/>
+                <a:ea typeface="DejaVu Sans" charset="0"/>
+                <a:cs typeface="DejaVu Sans" charset="0"/>
+              </a:defRPr>
+            </a:pPr>
+            <a:endParaRPr lang="pt-BR" dirty="0">
+              <a:solidFill>
+                <a:srgbClr val="D1D5DB"/>
+              </a:solidFill>
+              <a:latin typeface="Söhne" charset="0"/>
+            </a:endParaRPr>
+          </a:p>
+          <a:p>
+            <a:pPr marL="342900" indent="-342900">
+              <a:buAutoNum type="arabicParenR"/>
+              <a:defRPr lang="pt-br" cap="none">
+                <a:latin typeface="Arial" pitchFamily="2" charset="0"/>
+                <a:ea typeface="DejaVu Sans" charset="0"/>
+                <a:cs typeface="DejaVu Sans" charset="0"/>
+              </a:defRPr>
+            </a:pPr>
+            <a:endParaRPr lang="pt-BR" dirty="0">
+              <a:solidFill>
+                <a:srgbClr val="D1D5DB"/>
+              </a:solidFill>
+              <a:latin typeface="Söhne" charset="0"/>
+            </a:endParaRPr>
+          </a:p>
+          <a:p>
+            <a:pPr>
+              <a:defRPr lang="pt-br" cap="none">
+                <a:latin typeface="Arial" pitchFamily="2" charset="0"/>
+                <a:ea typeface="DejaVu Sans" charset="0"/>
+                <a:cs typeface="DejaVu Sans" charset="0"/>
+              </a:defRPr>
+            </a:pPr>
+            <a:r>
+              <a:rPr lang="pt-BR" dirty="0">
+                <a:solidFill>
+                  <a:srgbClr val="D1D5DB"/>
+                </a:solidFill>
+                <a:latin typeface="Söhne" charset="0"/>
+              </a:rPr>
+              <a:t>Esta é a regra mais simples de entender e, para a nossa alegria, é a que governa a maioria dos casos onde aparece o           . Veja o exemplo:</a:t>
+            </a:r>
+          </a:p>
+          <a:p>
+            <a:pPr>
+              <a:defRPr lang="pt-br" cap="none">
+                <a:latin typeface="Arial" pitchFamily="2" charset="0"/>
+                <a:ea typeface="DejaVu Sans" charset="0"/>
+                <a:cs typeface="DejaVu Sans" charset="0"/>
+              </a:defRPr>
+            </a:pPr>
+            <a:endParaRPr lang="pt-BR" dirty="0">
+              <a:solidFill>
+                <a:srgbClr val="D1D5DB"/>
+              </a:solidFill>
+              <a:latin typeface="Söhne" charset="0"/>
+            </a:endParaRPr>
+          </a:p>
+          <a:p>
+            <a:pPr>
+              <a:defRPr lang="pt-br" cap="none">
+                <a:latin typeface="Arial" pitchFamily="2" charset="0"/>
+                <a:ea typeface="DejaVu Sans" charset="0"/>
+                <a:cs typeface="DejaVu Sans" charset="0"/>
+              </a:defRPr>
+            </a:pPr>
+            <a:endParaRPr lang="pt-BR" dirty="0">
+              <a:solidFill>
+                <a:srgbClr val="D1D5DB"/>
+              </a:solidFill>
+              <a:latin typeface="Söhne" charset="0"/>
+            </a:endParaRPr>
+          </a:p>
+          <a:p>
+            <a:pPr>
+              <a:defRPr lang="pt-br" cap="none">
+                <a:latin typeface="Arial" pitchFamily="2" charset="0"/>
+                <a:ea typeface="DejaVu Sans" charset="0"/>
+                <a:cs typeface="DejaVu Sans" charset="0"/>
+              </a:defRPr>
+            </a:pPr>
+            <a:endParaRPr lang="pt-BR" dirty="0">
+              <a:solidFill>
+                <a:srgbClr val="374151"/>
+              </a:solidFill>
+              <a:latin typeface="Söhne"/>
+            </a:endParaRPr>
+          </a:p>
+          <a:p>
+            <a:pPr>
+              <a:defRPr lang="pt-br" cap="none">
+                <a:latin typeface="Arial" pitchFamily="2" charset="0"/>
+                <a:ea typeface="DejaVu Sans" charset="0"/>
+                <a:cs typeface="DejaVu Sans" charset="0"/>
+              </a:defRPr>
+            </a:pPr>
+            <a:endParaRPr lang="pt-BR" b="0" i="0" dirty="0">
+              <a:solidFill>
+                <a:srgbClr val="374151"/>
+              </a:solidFill>
+              <a:effectLst/>
+              <a:latin typeface="Söhne"/>
+            </a:endParaRPr>
+          </a:p>
+        </p:txBody>
+      </p:sp>
+      <p:sp>
+        <p:nvSpPr>
+          <p:cNvPr id="5" name="CustomShape 4"/>
+          <p:cNvSpPr>
+            <a:extLst>
+              <a:ext uri="smNativeData">
+                <pr:smNativeData xmlns:mc="http://schemas.openxmlformats.org/markup-compatibility/2006" xmlns:p14="http://schemas.microsoft.com/office/powerpoint/2010/main" xmlns:p15="http://schemas.microsoft.com/office/powerpoint/2012/main" xmlns:pr="smNativeData" xmlns="smNativeData" val="SMDATA_15_q5OGZBMAAAAlAAAAZAAAAA0AAAAAjgAAAEcAAACOAAAARwAAAAAAAAABAAAAAAAAAAEAAABQAAAAAAAAAAAA4D8AAAAAAADgPwAAAAAAAOA/AAAAAAAA4D8AAAAAAADgPwAAAAAAAOA/AAAAAAAA4D8AAAAAAADgPwAAAAAAAOA/AAAAAAAA4D8CAAAAjAAAAAEAAAAAAAAAIis1AP///wgAAAAAAAAAAAAAAAAAAAAAAAAAAAAAAAAAAAAAZAAAAAEAAABAAAAAAAAAAAAAAAAAAAAAAAAAAAAAAAAAAAAAAAAAAAAAAAAAAAAAAAAAAAAAAAAAAAAAAAAAAAAAAAAAAAAAAAAAAAAAAAAAAAAAAAAAAAAAAAAAAAAAFAAAADwAAAABAAAAAAAAAOfm5gooAAAAAQAAABQAAAAUAAAAFAAAAAEAAAAAAAAAZAAAAGQAAAAAAAAAZAAAAGQAAAAVAAAAYAAAAAAAAAAAAAAADwAAACADAAAAAAAAAAAAAAEAAACgMgAAVgcAAKr4//8BAAAAf39/AAEAAABkAAAAAAAAABQAAABAHwAAAAAAACYAAAAAAAAAwOD//wAAAAAmAAAAZAAAABYAAABMAAAAAAAAAAAAAAAEAAAAAAAAAAEAAADn5uYKAAAAACgAAAAoAAAAZAAAAGQAAAAAAAAAzMzMAAAAAABQAAAAUAAAAGQAAABkAAAAAAAAABcAAAAUAAAAAAAAAAAAAAD/fwAA/38AAAAAAAAJAAAABAAAAF8AYAAeAAAAaAAAAAAAAAAAAAAAAAAAAAAAAAAAAAAAECcAABAnAAAAAAAAAAAAAAAAAAAAAAAAAAAAAAAAAAAAAAAAAAAAABQAAAAAAAAAwMD/AAAAAABkAAAAMgAAAAAAAABkAAAAAAAAAH9/fwAKAAAAIgAAABgAAAAAAAAAAAAAAAAAAAAAAAAAAAAAAAAAAAAkAAAAJAAAAAAAAAAHAAAAAAAAAAAAAAAAAAAAAAAAAAAAAAAAAAAAf39/ACUAAABYAAAAAAAAAAAAAAAAAAAAAAAAAAAAAAAAAAAAAAAAAAAAAAAAAAAAAAAAAAAAAAA/AAAAAAAAAKCGAQAAAAAAAAAAAAAAAAAMAAAAAQAAAAAAAAAAAAAAAAAAAB8AAABUAAAAIis1AP///wEAAAAAAAAAAAAAAAAAAAAAAAAAAAAAAAAAAAAAAAAAAOfm5gN/f38A5+bmA8zMzADAwP8Af39/AAAAAAAAAAAAAAAAAAAAAAAAAAAAIQAAABgAAAAUAAAAQhQAAEkBAAC9NgAARAUAABAAAAAmAAAACAAAAP//////////"/>
+              </a:ext>
+            </a:extLst>
+          </p:cNvSpPr>
+          <p:nvPr/>
+        </p:nvSpPr>
+        <p:spPr>
+          <a:xfrm>
             <a:off x="3293110" y="208915"/>
-            <a:ext cx="5605145" cy="647065"/>
+            <a:ext cx="5605145" cy="1059446"/>
           </a:xfrm>
           <a:prstGeom prst="rect">
             <a:avLst/>
@@ -13272,6 +14071,72 @@
           <a:lstStyle/>
           <a:p>
             <a:pPr algn="ctr">
+              <a:defRPr lang="pt-br" cap="none">
+                <a:latin typeface="Arial" pitchFamily="2" charset="0"/>
+                <a:ea typeface="DejaVu Sans" charset="0"/>
+                <a:cs typeface="DejaVu Sans" charset="0"/>
+              </a:defRPr>
+            </a:pPr>
+            <a:endParaRPr lang="pt-BR" sz="2800" b="1" i="1" dirty="0">
+              <a:solidFill>
+                <a:srgbClr val="FFFFFF"/>
+              </a:solidFill>
+              <a:latin typeface="Montserrat" charset="0"/>
+            </a:endParaRPr>
+          </a:p>
+          <a:p>
+            <a:pPr algn="ctr">
+              <a:defRPr lang="pt-br" cap="none">
+                <a:latin typeface="Arial" pitchFamily="2" charset="0"/>
+                <a:ea typeface="DejaVu Sans" charset="0"/>
+                <a:cs typeface="DejaVu Sans" charset="0"/>
+              </a:defRPr>
+            </a:pPr>
+            <a:r>
+              <a:rPr lang="pt-BR" sz="2800" b="1" i="1" dirty="0">
+                <a:solidFill>
+                  <a:srgbClr val="FFFFFF"/>
+                </a:solidFill>
+                <a:latin typeface="Montserrat" charset="0"/>
+              </a:rPr>
+              <a:t>Entendendo o ‘</a:t>
+            </a:r>
+            <a:r>
+              <a:rPr lang="pt-BR" sz="2800" b="1" i="1" dirty="0" err="1">
+                <a:solidFill>
+                  <a:srgbClr val="FFFFFF"/>
+                </a:solidFill>
+                <a:latin typeface="Montserrat" charset="0"/>
+              </a:rPr>
+              <a:t>this</a:t>
+            </a:r>
+            <a:r>
+              <a:rPr lang="pt-BR" sz="2800" b="1" i="1" dirty="0">
+                <a:solidFill>
+                  <a:srgbClr val="FFFFFF"/>
+                </a:solidFill>
+                <a:latin typeface="Montserrat" charset="0"/>
+              </a:rPr>
+              <a:t>’ no </a:t>
+            </a:r>
+            <a:r>
+              <a:rPr lang="pt-BR" sz="2800" b="1" i="1" dirty="0" err="1">
+                <a:solidFill>
+                  <a:srgbClr val="FFFFFF"/>
+                </a:solidFill>
+                <a:latin typeface="Montserrat" charset="0"/>
+              </a:rPr>
+              <a:t>JavaScript</a:t>
+            </a:r>
+            <a:endParaRPr lang="pt-BR" sz="2800" b="1" i="1" dirty="0">
+              <a:solidFill>
+                <a:srgbClr val="FFFFFF"/>
+              </a:solidFill>
+              <a:latin typeface="Montserrat" charset="0"/>
+            </a:endParaRPr>
+          </a:p>
+          <a:p>
+            <a:pPr algn="ctr">
               <a:lnSpc>
                 <a:spcPct val="100000"/>
               </a:lnSpc>
@@ -13281,30 +14146,21 @@
                 <a:cs typeface="DejaVu Sans" charset="0"/>
               </a:defRPr>
             </a:pPr>
-            <a:r>
-              <a:rPr lang="pt-br" sz="2800" b="1" i="1" cap="none">
-                <a:solidFill>
-                  <a:srgbClr val="FFFFFF"/>
-                </a:solidFill>
-                <a:latin typeface="Montserrat" charset="0"/>
-                <a:ea typeface="DejaVu Sans" charset="0"/>
-                <a:cs typeface="DejaVu Sans" charset="0"/>
-              </a:rPr>
-              <a:t>Exemplos em Javascript</a:t>
-            </a:r>
-            <a:endParaRPr lang="pt-br" sz="2800" cap="none"/>
+            <a:endParaRPr lang="pt-br" sz="2800" cap="none" dirty="0"/>
           </a:p>
         </p:txBody>
       </p:sp>
       <p:pic>
         <p:nvPicPr>
-          <p:cNvPr id="4" name="Imagem 234"/>
+          <p:cNvPr id="10" name="Imagem 9">
+            <a:extLst>
+              <a:ext uri="{FF2B5EF4-FFF2-40B4-BE49-F238E27FC236}">
+                <a16:creationId xmlns:a16="http://schemas.microsoft.com/office/drawing/2014/main" id="{9DF83CFB-15BD-D3BC-DABF-AB8B0C60C440}"/>
+              </a:ext>
+            </a:extLst>
+          </p:cNvPr>
           <p:cNvPicPr>
-            <a:extLst>
-              <a:ext uri="smNativeData">
-                <pr:smNativeData xmlns="smNativeData" xmlns:pr="smNativeData" xmlns:p15="http://schemas.microsoft.com/office/powerpoint/2012/main" xmlns:p14="http://schemas.microsoft.com/office/powerpoint/2010/main" xmlns:mc="http://schemas.openxmlformats.org/markup-compatibility/2006" val="SMDATA_17_q5OGZBMAAAAlAAAAEQAAAA0AAAAAkAAAAEgAAACQAAAASAAAAAAAAAAAAAAAAAAAAAEAAABQAAAAAAAAAAAA4D8AAAAAAADgPwAAAAAAAOA/AAAAAAAA4D8AAAAAAADgPwAAAAAAAOA/AAAAAAAA4D8AAAAAAADgPwAAAAAAAOA/AAAAAAAA4D8CAAAAjAAAAAAAAAAAAAAARHLEDP///wgAAAAAAAAAAAAAAAAAAAAAAAAAAAAAAAAAAAAAZAAAAAEAAABAAAAAAAAAAAAAAAAAAAAAAAAAAAAAAAAAAAAAAAAAAAAAAAAAAAAAAAAAAAAAAAAAAAAAAAAAAAAAAAAAAAAAAAAAAAAAAAAAAAAAAAAAAAAAAAAAAAAAFAAAADwAAAAAAAAAAAAAAAAAAAkUAAAAAQAAABQAAAAUAAAAFAAAAAEAAAAAAAAAZAAAAGQAAAAAAAAAZAAAAGQAAAAVAAAAYAAAAAAAAAAAAAAADwAAACADAAAAAAAAAAAAAAEAAACgMgAAVgcAAKr4//8BAAAAf39/AAEAAABkAAAAAAAAABQAAABAHwAAAAAAACYAAAAAAAAAwOD//wAAAAAmAAAAZAAAABYAAABMAAAAAAAAAAAAAAAEAAAAAAAAAAEAAADn5uYKAAAAACgAAAAoAAAAZAAAAGQAAAAAAAAAzMzMAAAAAABQAAAAUAAAAGQAAABkAAAAAAAAAAcAAAA4AAAAAAAAAAAAAAAAAAAA////AAAAAAAAAAAAAAAAAAAAAAAAAAAAAAAAAAAAAABkAAAAZAAAAAAAAAAjAAAABAAAAGQAAAAXAAAAFAAAAAAAAAAAAAAA/38AAP9/AAAAAAAACQAAAAQAAAABAAAAHgAAAGgAAAAAAAAAAAAAAAAAAAAAAAAAAAAAABAnAAAQJwAAAAAAAAAAAAAAAAAAAAAAAAAAAAAAAAAAAAAAAAAAAAAUAAAAAAAAAMDA/wAAAAAAZAAAADIAAAAAAAAAZAAAAAAAAAB/f38ACgAAACIAAAAYAAAAAAAAAAAAAAAAAAAAAAAAAAAAAAAAAAAAJAAAACQAAAAAAAAABwAAAAAAAAAAAAAAAAAAAAAAAAAAAAAAAAAAAH9/fwAlAAAAWAAAAAAAAAAAAAAAAAAAAAAAAAAAAAAAAAAAAAAAAAAAAAAAAAAAAAAAAAAAAAAAPwAAAAAAAACghgEAAAAAAAAAAAAAAAAADAAAAAEAAAAAAAAAAAAAAAAAAAAfAAAAVAAAAERyxAX///8BAAAAAAAAAAAAAAAAAAAAAAAAAAAAAAAAAAAAAAAAAAAAAAACf39/AOfm5gPMzMwAwMD/AH9/fwAAAAAAAAAAAAAAAAD///8AAAAAACEAAAAYAAAAFAAAAJADAADYCQAAjyQAAI8kAAAQAAAAJgAAAAgAAAD//////////w=="/>
-              </a:ext>
-            </a:extLst>
+            <a:picLocks noChangeAspect="1"/>
           </p:cNvPicPr>
           <p:nvPr/>
         </p:nvPicPr>
@@ -13316,28 +14172,25 @@
         </p:blipFill>
         <p:spPr>
           <a:xfrm>
-            <a:off x="579120" y="1600200"/>
-            <a:ext cx="5363845" cy="4342765"/>
+            <a:off x="219710" y="2182720"/>
+            <a:ext cx="5768840" cy="914479"/>
           </a:xfrm>
           <a:prstGeom prst="rect">
             <a:avLst/>
           </a:prstGeom>
-          <a:noFill/>
-          <a:ln>
-            <a:noFill/>
-          </a:ln>
-          <a:effectLst/>
         </p:spPr>
       </p:pic>
       <p:pic>
         <p:nvPicPr>
-          <p:cNvPr id="5" name="Imagem 235"/>
+          <p:cNvPr id="13" name="Imagem 12">
+            <a:extLst>
+              <a:ext uri="{FF2B5EF4-FFF2-40B4-BE49-F238E27FC236}">
+                <a16:creationId xmlns:a16="http://schemas.microsoft.com/office/drawing/2014/main" id="{74717409-7DE4-2D42-0377-2CF8BBC280EB}"/>
+              </a:ext>
+            </a:extLst>
+          </p:cNvPr>
           <p:cNvPicPr>
-            <a:extLst>
-              <a:ext uri="smNativeData">
-                <pr:smNativeData xmlns="smNativeData" xmlns:pr="smNativeData" xmlns:p15="http://schemas.microsoft.com/office/powerpoint/2012/main" xmlns:p14="http://schemas.microsoft.com/office/powerpoint/2010/main" xmlns:mc="http://schemas.openxmlformats.org/markup-compatibility/2006" val="SMDATA_17_q5OGZBMAAAAlAAAAEQAAAA0AAAAAkAAAAEgAAACQAAAASAAAAAAAAAAAAAAAAAAAAAEAAABQAAAAAAAAAAAA4D8AAAAAAADgPwAAAAAAAOA/AAAAAAAA4D8AAAAAAADgPwAAAAAAAOA/AAAAAAAA4D8AAAAAAADgPwAAAAAAAOA/AAAAAAAA4D8CAAAAjAAAAAAAAAAAAAAARHLEDP///wgAAAAAAAAAAAAAAAAAAAAAAAAAAAAAAAAAAAAAZAAAAAEAAABAAAAAAAAAAAAAAAAAAAAAAAAAAAAAAAAAAAAAAAAAAAAAAAAAAAAAAAAAAAAAAAAAAAAAAAAAAAAAAAAAAAAAAAAAAAAAAAAAAAAAAAAAAAAAAAAAAAAAFAAAADwAAAAAAAAAAAAAAAAAAAkUAAAAAQAAABQAAAAUAAAAFAAAAAEAAAAAAAAAZAAAAGQAAAAAAAAAZAAAAGQAAAAVAAAAYAAAAAAAAAAAAAAADwAAACADAAAAAAAAAAAAAAEAAACgMgAAVgcAAKr4//8BAAAAf39/AAEAAABkAAAAAAAAABQAAABAHwAAAAAAACYAAAAAAAAAwOD//wAAAAAmAAAAZAAAABYAAABMAAAAAAAAAAAAAAAEAAAAAAAAAAEAAADn5uYKAAAAACgAAAAoAAAAZAAAAGQAAAAAAAAAzMzMAAAAAABQAAAAUAAAAGQAAABkAAAAAAAAAAcAAAA4AAAAAAAAAAAAAAAAAAAA////AAAAAAAAAAAAAAAAAAAAAAAAAAAAAAAAAAAAAABkAAAAZAAAAAAAAAAjAAAABAAAAGQAAAAXAAAAFAAAAAAAAAAAAAAA/38AAP9/AAAAAAAACQAAAAQAAAABAAAAHgAAAGgAAAAAAAAAAAAAAAAAAAAAAAAAAAAAABAnAAAQJwAAAAAAAAAAAAAAAAAAAAAAAAAAAAAAAAAAAAAAAAAAAAAUAAAAAAAAAMDA/wAAAAAAZAAAADIAAAAAAAAAZAAAAAAAAAB/f38ACgAAACIAAAAYAAAAAAAAAAAAAAAAAAAAAAAAAAAAAAAAAAAAJAAAACQAAAAAAAAABwAAAAAAAAAAAAAAAAAAAAAAAAAAAAAAAAAAAH9/fwAlAAAAWAAAAAAAAAAAAAAAAAAAAAAAAAAAAAAAAAAAAAAAAAAAAAAAAAAAAAAAAAAAAAAAPwAAAAAAAACghgEAAAAAAAAAAAAAAAAADAAAAAEAAAAAAAAAAAAAAAAAAAAfAAAAVAAAAERyxAX///8BAAAAAAAAAAAAAAAAAAAAAAAAAAAAAAAAAAAAAAAAAAAAAAACf39/AOfm5gPMzMwAwMD/AH9/fwAAAAAAAAAAAAAAAAD///8AAAAAACEAAAAYAAAAFAAAAFgpAABjCQAAt0cAAPclAAAQAAAAJgAAAAgAAAD//////////w=="/>
-              </a:ext>
-            </a:extLst>
+            <a:picLocks noChangeAspect="1"/>
           </p:cNvPicPr>
           <p:nvPr/>
         </p:nvPicPr>
@@ -13349,20 +14202,50 @@
         </p:blipFill>
         <p:spPr>
           <a:xfrm>
-            <a:off x="6720840" y="1525905"/>
-            <a:ext cx="4937125" cy="4645660"/>
+            <a:off x="525629" y="3902976"/>
+            <a:ext cx="403895" cy="236240"/>
           </a:xfrm>
           <a:prstGeom prst="rect">
             <a:avLst/>
           </a:prstGeom>
-          <a:noFill/>
-          <a:ln>
-            <a:noFill/>
-          </a:ln>
-          <a:effectLst/>
+        </p:spPr>
+      </p:pic>
+      <p:pic>
+        <p:nvPicPr>
+          <p:cNvPr id="19" name="Imagem 18">
+            <a:extLst>
+              <a:ext uri="{FF2B5EF4-FFF2-40B4-BE49-F238E27FC236}">
+                <a16:creationId xmlns:a16="http://schemas.microsoft.com/office/drawing/2014/main" id="{3A206665-A431-16A4-634F-42EA7026750F}"/>
+              </a:ext>
+            </a:extLst>
+          </p:cNvPr>
+          <p:cNvPicPr>
+            <a:picLocks noChangeAspect="1"/>
+          </p:cNvPicPr>
+          <p:nvPr/>
+        </p:nvPicPr>
+        <p:blipFill>
+          <a:blip r:embed="rId4"/>
+          <a:stretch>
+            <a:fillRect/>
+          </a:stretch>
+        </p:blipFill>
+        <p:spPr>
+          <a:xfrm>
+            <a:off x="6157726" y="2310258"/>
+            <a:ext cx="5814564" cy="3185436"/>
+          </a:xfrm>
+          <a:prstGeom prst="rect">
+            <a:avLst/>
+          </a:prstGeom>
         </p:spPr>
       </p:pic>
     </p:spTree>
+    <p:extLst>
+      <p:ext uri="{BB962C8B-B14F-4D97-AF65-F5344CB8AC3E}">
+        <p14:creationId xmlns:p14="http://schemas.microsoft.com/office/powerpoint/2010/main" val="2805117415"/>
+      </p:ext>
+    </p:extLst>
   </p:cSld>
   <p:clrMapOvr>
     <a:masterClrMapping/>
@@ -13401,7 +14284,7 @@
           <p:cNvSpPr>
             <a:extLst>
               <a:ext uri="smNativeData">
-                <pr:smNativeData xmlns="smNativeData" xmlns:pr="smNativeData" xmlns:p15="http://schemas.microsoft.com/office/powerpoint/2012/main" xmlns:p14="http://schemas.microsoft.com/office/powerpoint/2010/main" xmlns:mc="http://schemas.openxmlformats.org/markup-compatibility/2006" val="SMDATA_15_q5OGZBMAAAAlAAAAqgAAAA0AAAAAkAAAAEgAAACQAAAASAAAAAAAAAAAAAAAAAAAAAEAAABQAAAAda9fBcX/xz8AAAAAAADgPwAAAAAAAOA/AAAAAAAA4D8AAAAAAADgPwAAAAAAAOA/AAAAAAAA4D8AAAAAAADgPwAAAAAAAOA/AAAAAAAA4D8CAAAAjAAAAAEAAAADAAAAMz9PADM/TwAAAAAAZAAAAAAAAAAAAAAAAAAAAAAAAAAAAAAAZAAAAAEAAABAAAAAAAAAAGQAAAAOAQAAAAAAAAAAAAAAAAAAAAAAAAAAAAAAAAAAAAAAAAAAAAAAAAAAAAAAAAAAAAAAAAAAAAAAAAAAAAAAAAAAAAAAAAAAAAAAAAAAFAAAADwAAAABAAAAAAAAAP///wgoAAAAAQAAABQAAAAUAAAAFAAAAAEAAAAAAAAAZAAAAGQAAAAAAAAAZAAAAGQAAAAVAAAAYAAAAAAAAAAAAAAADwAAACADAAAAAAAAAAAAAAEAAACgMgAAVgcAAKr4//8BAAAAf39/AAEAAABkAAAAAAAAABQAAABAHwAAAAAAACYAAAAAAAAAwOD//wAAAAAmAAAAZAAAABYAAABMAAAAAAAAAAAAAAAEAAAAAAAAAAEAAADn5uYKAAAAACgAAAAoAAAAZAAAAGQAAAAAAAAAzMzMAAAAAABQAAAAUAAAAGQAAABkAAAAAAAAABcAAAAUAAAAAAAAAAAAAAD/fwAA/38AAAAAAAAJAAAABAAAAAAAAAAeAAAAaAAAAAAAAAAAAAAAAAAAAAAAAAAAAAAAECcAABAnAAAAAAAAAAAAAAAAAAAAAABkAAAAAAAAAAAAAAAAAAAAABQAAAAAAAAAwMD/AAAAAABkAAAAMgAAAAAAAABkAAAAAAAAAH9/fwAKAAAAIgAAABgAAAAAAAAAAAAAAAAAAAAAAAAAAAAAAAAAAAAkAAAAJAAAAAAAAAAHAAAAAAAAAAAAAAAAAAAAAAAAAAAAAAAAAAAAf39/ACUAAABYAAAAAAAAAAAAAAAAAAAAAAAAAAAAAAAAAAAAAAAAAAAAAAAAAAAAAAAAAAAAAAA/AAAAAAAAAKCGAQAAAAAAAAAAAAAAAAAMAAAAAQAAAAAAAAAAAAAAAAAAAB8AAABUAAAAMz9PADM/TwAAAAAAAAAAAAAAAAAAAAAAAAAAAAAAAAAAAAAAAAAAAP///wF/f38A5+bmA8zMzADAwP8Af39/AAAAAAAAAAAAAAAAAAAAAAAAAAAAIQAAABgAAAAUAAAAAAAAAAEAAAD/SgAALyoAABAAAAAmAAAACAAAAP//////////"/>
+                <pr:smNativeData xmlns:mc="http://schemas.openxmlformats.org/markup-compatibility/2006" xmlns:p14="http://schemas.microsoft.com/office/powerpoint/2010/main" xmlns:p15="http://schemas.microsoft.com/office/powerpoint/2012/main" xmlns:pr="smNativeData" xmlns="smNativeData" val="SMDATA_15_q5OGZBMAAAAlAAAAqgAAAA0AAAAAkAAAAEgAAACQAAAASAAAAAAAAAAAAAAAAAAAAAEAAABQAAAAda9fBcX/xz8AAAAAAADgPwAAAAAAAOA/AAAAAAAA4D8AAAAAAADgPwAAAAAAAOA/AAAAAAAA4D8AAAAAAADgPwAAAAAAAOA/AAAAAAAA4D8CAAAAjAAAAAEAAAADAAAAMz9PADM/TwAAAAAAZAAAAAAAAAAAAAAAAAAAAAAAAAAAAAAAZAAAAAEAAABAAAAAAAAAAGQAAAAOAQAAAAAAAAAAAAAAAAAAAAAAAAAAAAAAAAAAAAAAAAAAAAAAAAAAAAAAAAAAAAAAAAAAAAAAAAAAAAAAAAAAAAAAAAAAAAAAAAAAFAAAADwAAAABAAAAAAAAAP///wgoAAAAAQAAABQAAAAUAAAAFAAAAAEAAAAAAAAAZAAAAGQAAAAAAAAAZAAAAGQAAAAVAAAAYAAAAAAAAAAAAAAADwAAACADAAAAAAAAAAAAAAEAAACgMgAAVgcAAKr4//8BAAAAf39/AAEAAABkAAAAAAAAABQAAABAHwAAAAAAACYAAAAAAAAAwOD//wAAAAAmAAAAZAAAABYAAABMAAAAAAAAAAAAAAAEAAAAAAAAAAEAAADn5uYKAAAAACgAAAAoAAAAZAAAAGQAAAAAAAAAzMzMAAAAAABQAAAAUAAAAGQAAABkAAAAAAAAABcAAAAUAAAAAAAAAAAAAAD/fwAA/38AAAAAAAAJAAAABAAAAAAAAAAeAAAAaAAAAAAAAAAAAAAAAAAAAAAAAAAAAAAAECcAABAnAAAAAAAAAAAAAAAAAAAAAABkAAAAAAAAAAAAAAAAAAAAABQAAAAAAAAAwMD/AAAAAABkAAAAMgAAAAAAAABkAAAAAAAAAH9/fwAKAAAAIgAAABgAAAAAAAAAAAAAAAAAAAAAAAAAAAAAAAAAAAAkAAAAJAAAAAAAAAAHAAAAAAAAAAAAAAAAAAAAAAAAAAAAAAAAAAAAf39/ACUAAABYAAAAAAAAAAAAAAAAAAAAAAAAAAAAAAAAAAAAAAAAAAAAAAAAAAAAAAAAAAAAAAA/AAAAAAAAAKCGAQAAAAAAAAAAAAAAAAAMAAAAAQAAAAAAAAAAAAAAAAAAAB8AAABUAAAAMz9PADM/TwAAAAAAAAAAAAAAAAAAAAAAAAAAAAAAAAAAAAAAAAAAAP///wF/f38A5+bmA8zMzADAwP8Af39/AAAAAAAAAAAAAAAAAAAAAAAAAAAAIQAAABgAAAAUAAAAAAAAAAEAAAD/SgAALyoAABAAAAAmAAAACAAAAP//////////"/>
               </a:ext>
             </a:extLst>
           </p:cNvSpPr>
@@ -13448,7 +14331,7 @@
           <p:cNvSpPr>
             <a:extLst>
               <a:ext uri="smNativeData">
-                <pr:smNativeData xmlns="smNativeData" xmlns:pr="smNativeData" xmlns:p15="http://schemas.microsoft.com/office/powerpoint/2012/main" xmlns:p14="http://schemas.microsoft.com/office/powerpoint/2010/main" xmlns:mc="http://schemas.openxmlformats.org/markup-compatibility/2006" val="SMDATA_15_q5OGZBMAAAAlAAAAZAAAAA0AAAAAjgAAAEcAAACOAAAARwAAAAAAAAABAAAAAAAAAAEAAABQAAAAAAAAAAAA4D8AAAAAAADgPwAAAAAAAOA/AAAAAAAA4D8AAAAAAADgPwAAAAAAAOA/AAAAAAAA4D8AAAAAAADgPwAAAAAAAOA/AAAAAAAA4D8CAAAAjAAAAAEAAAAAAAAAIis1AP///wgAAAAAAAAAAAAAAAAAAAAAAAAAAAAAAAAAAAAAZAAAAAEAAABAAAAAAAAAAAAAAAAAAAAAAAAAAAAAAAAAAAAAAAAAAAAAAAAAAAAAAAAAAAAAAAAAAAAAAAAAAAAAAAAAAAAAAAAAAAAAAAAAAAAAAAAAAAAAAAAAAAAAFAAAADwAAAABAAAAAAAAAOfm5gooAAAAAQAAABQAAAAUAAAAFAAAAAEAAAAAAAAAZAAAAGQAAAAAAAAAZAAAAGQAAAAVAAAAYAAAAAAAAAAAAAAADwAAACADAAAAAAAAAAAAAAEAAACgMgAAVgcAAKr4//8BAAAAf39/AAEAAABkAAAAAAAAABQAAABAHwAAAAAAACYAAAAAAAAAwOD//wAAAAAmAAAAZAAAABYAAABMAAAAAAAAAAAAAAAEAAAAAAAAAAEAAADn5uYKAAAAACgAAAAoAAAAZAAAAGQAAAAAAAAAzMzMAAAAAABQAAAAUAAAAGQAAABkAAAAAAAAABcAAAAUAAAAAAAAAAAAAAD/fwAA/38AAAAAAAAJAAAABAAAAKYAAAAeAAAAaAAAAAAAAAAAAAAAAAAAAAAAAAAAAAAAECcAABAnAAAAAAAAAAAAAAAAAAAAAAAAAAAAAAAAAAAAAAAAAAAAABQAAAAAAAAAwMD/AAAAAABkAAAAMgAAAAAAAABkAAAAAAAAAH9/fwAKAAAAIgAAABgAAAAAAAAAAAAAAAAAAAAAAAAAAAAAAAAAAAAkAAAAJAAAAAAAAAAHAAAAAAAAAAAAAAAAAAAAAAAAAAAAAAAAAAAAf39/ACUAAABYAAAAAAAAAAAAAAAAAAAAAAAAAAAAAAAAAAAAAAAAAAAAAAAAAAAAAAAAAAAAAAA/AAAAAAAAAKCGAQAAAAAAAAAAAAAAAAAMAAAAAQAAAAAAAAAAAAAAAAAAAB8AAABUAAAAIis1AP///wEAAAAAAAAAAAAAAAAAAAAAAAAAAAAAAAAAAAAAAAAAAOfm5gN/f38A5+bmA8zMzADAwP8Af39/AAAAAAAAAAAAAAAAAAAAAAAAAAAAIQAAABgAAAAUAAAAjxEAAMYBAABwOQAAwQUAAAAAAAAmAAAACAAAAP//////////"/>
+                <pr:smNativeData xmlns:mc="http://schemas.openxmlformats.org/markup-compatibility/2006" xmlns:p14="http://schemas.microsoft.com/office/powerpoint/2010/main" xmlns:p15="http://schemas.microsoft.com/office/powerpoint/2012/main" xmlns:pr="smNativeData" xmlns="smNativeData" val="SMDATA_15_q5OGZBMAAAAlAAAAZAAAAA0AAAAAjgAAAEcAAACOAAAARwAAAAAAAAABAAAAAAAAAAEAAABQAAAAAAAAAAAA4D8AAAAAAADgPwAAAAAAAOA/AAAAAAAA4D8AAAAAAADgPwAAAAAAAOA/AAAAAAAA4D8AAAAAAADgPwAAAAAAAOA/AAAAAAAA4D8CAAAAjAAAAAEAAAAAAAAAIis1AP///wgAAAAAAAAAAAAAAAAAAAAAAAAAAAAAAAAAAAAAZAAAAAEAAABAAAAAAAAAAAAAAAAAAAAAAAAAAAAAAAAAAAAAAAAAAAAAAAAAAAAAAAAAAAAAAAAAAAAAAAAAAAAAAAAAAAAAAAAAAAAAAAAAAAAAAAAAAAAAAAAAAAAAFAAAADwAAAABAAAAAAAAAOfm5gooAAAAAQAAABQAAAAUAAAAFAAAAAEAAAAAAAAAZAAAAGQAAAAAAAAAZAAAAGQAAAAVAAAAYAAAAAAAAAAAAAAADwAAACADAAAAAAAAAAAAAAEAAACgMgAAVgcAAKr4//8BAAAAf39/AAEAAABkAAAAAAAAABQAAABAHwAAAAAAACYAAAAAAAAAwOD//wAAAAAmAAAAZAAAABYAAABMAAAAAAAAAAAAAAAEAAAAAAAAAAEAAADn5uYKAAAAACgAAAAoAAAAZAAAAGQAAAAAAAAAzMzMAAAAAABQAAAAUAAAAGQAAABkAAAAAAAAABcAAAAUAAAAAAAAAAAAAAD/fwAA/38AAAAAAAAJAAAABAAAAKYAAAAeAAAAaAAAAAAAAAAAAAAAAAAAAAAAAAAAAAAAECcAABAnAAAAAAAAAAAAAAAAAAAAAAAAAAAAAAAAAAAAAAAAAAAAABQAAAAAAAAAwMD/AAAAAABkAAAAMgAAAAAAAABkAAAAAAAAAH9/fwAKAAAAIgAAABgAAAAAAAAAAAAAAAAAAAAAAAAAAAAAAAAAAAAkAAAAJAAAAAAAAAAHAAAAAAAAAAAAAAAAAAAAAAAAAAAAAAAAAAAAf39/ACUAAABYAAAAAAAAAAAAAAAAAAAAAAAAAAAAAAAAAAAAAAAAAAAAAAAAAAAAAAAAAAAAAAA/AAAAAAAAAKCGAQAAAAAAAAAAAAAAAAAMAAAAAQAAAAAAAAAAAAAAAAAAAB8AAABUAAAAIis1AP///wEAAAAAAAAAAAAAAAAAAAAAAAAAAAAAAAAAAAAAAAAAAOfm5gN/f38A5+bmA8zMzADAwP8Af39/AAAAAAAAAAAAAAAAAAAAAAAAAAAAIQAAABgAAAAUAAAAjxEAAMYBAABwOQAAwQUAAAAAAAAmAAAACAAAAP//////////"/>
               </a:ext>
             </a:extLst>
           </p:cNvSpPr>
@@ -13510,7 +14393,7 @@
           <p:cNvSpPr>
             <a:extLst>
               <a:ext uri="smNativeData">
-                <pr:smNativeData xmlns="smNativeData" xmlns:pr="smNativeData" xmlns:p15="http://schemas.microsoft.com/office/powerpoint/2012/main" xmlns:p14="http://schemas.microsoft.com/office/powerpoint/2010/main" xmlns:mc="http://schemas.openxmlformats.org/markup-compatibility/2006" val="SMDATA_15_q5OGZBMAAAAlAAAAZAAAAA0AAAAAAAAAAAAAAAAAAAAAAAAAAAAAAAAAAAAAAAAAAAEAAABQAAAAAAAAAAAA4D8AAAAAAADgPwAAAAAAAOA/AAAAAAAA4D8AAAAAAADgPwAAAAAAAOA/AAAAAAAA4D8AAAAAAADgPwAAAAAAAOA/AAAAAAAA4D8CAAAAjAAAAAAAAAAAAAAARHLEDP///wgAAAAAAAAAAAAAAAAAAAAAAAAAAAAAAAAAAAAAZAAAAAEAAABAAAAAAAAAAAAAAAAAAAAAAAAAAAAAAAAAAAAAAAAAAAAAAAAAAAAAAAAAAAAAAAAAAAAAAAAAAAAAAAAAAAAAAAAAAAAAAAAAAAAAAAAAAAAAAAAAAAAAFAAAADwAAAAAAAAAAAAAAAAAAAkUAAAAAQAAABQAAAAUAAAAFAAAAAEAAAAAAAAAZAAAAGQAAAAAAAAAZAAAAGQAAAAVAAAAYAAAAAAAAAAAAAAADwAAACADAAAAAAAAAAAAAAEAAACgMgAAVgcAAKr4//8BAAAAf39/AAEAAABkAAAAAAAAABQAAABAHwAAAAAAACYAAAAAAAAAwOD//wAAAAAmAAAAZAAAABYAAABMAAAAAAAAAAAAAAAEAAAAAAAAAAEAAADn5uYKAAAAACgAAAAoAAAAZAAAAGQAAAAAAAAAzMzMAAAAAABQAAAAUAAAAGQAAABkAAAAAAAAABcAAAAUAAAAAAAAAAAAAAD/fwAA/38AAAAAAAAJAAAABAAAAOgAAAAeAAAAaAAAAAAAAAAAAAAAAAAAAAAAAAAAAAAAECcAABAnAAAAAAAAAAAAAAAAAAAAAAAAAAAAAAAAAAAAAAAAAAAAABQAAAAAAAAAwMD/AAAAAABkAAAAMgAAAAAAAABkAAAAAAAAAH9/fwAKAAAAIgAAABgAAAAAAAAAAAAAAAAAAAAAAAAAAAAAAAAAAAAkAAAAJAAAAAAAAAAHAAAAAAAAAAAAAAAAAAAAAAAAAAAAAAAAAAAAf39/ACUAAABYAAAAAAAAAAAAAAAAAAAAAAAAAAAAAAAAAAAAAAAAAAAAAAAAAAAAAAAAAAAAAAA/AAAAAAAAAKCGAQAAAAAAAAAAAAAAAAAMAAAAAQAAAAAAAAAAAAAAAAAAAB8AAABUAAAARHLEBf///wEAAAAAAAAAAAAAAAAAAAAAAAAAAAAAAAAAAAAAAAAAAAAAAAJ/f38A5+bmA8zMzADAwP8Af39/AAAAAAAAAAAAAAAAAAAAAAAAAAAAIQAAABgAAAAUAAAAcAgAANgJAAD3JQAAXycAAAAAAAAmAAAACAAAAP//////////"/>
+                <pr:smNativeData xmlns:mc="http://schemas.openxmlformats.org/markup-compatibility/2006" xmlns:p14="http://schemas.microsoft.com/office/powerpoint/2010/main" xmlns:p15="http://schemas.microsoft.com/office/powerpoint/2012/main" xmlns:pr="smNativeData" xmlns="smNativeData" val="SMDATA_15_q5OGZBMAAAAlAAAAZAAAAA0AAAAAAAAAAAAAAAAAAAAAAAAAAAAAAAAAAAAAAAAAAAEAAABQAAAAAAAAAAAA4D8AAAAAAADgPwAAAAAAAOA/AAAAAAAA4D8AAAAAAADgPwAAAAAAAOA/AAAAAAAA4D8AAAAAAADgPwAAAAAAAOA/AAAAAAAA4D8CAAAAjAAAAAAAAAAAAAAARHLEDP///wgAAAAAAAAAAAAAAAAAAAAAAAAAAAAAAAAAAAAAZAAAAAEAAABAAAAAAAAAAAAAAAAAAAAAAAAAAAAAAAAAAAAAAAAAAAAAAAAAAAAAAAAAAAAAAAAAAAAAAAAAAAAAAAAAAAAAAAAAAAAAAAAAAAAAAAAAAAAAAAAAAAAAFAAAADwAAAAAAAAAAAAAAAAAAAkUAAAAAQAAABQAAAAUAAAAFAAAAAEAAAAAAAAAZAAAAGQAAAAAAAAAZAAAAGQAAAAVAAAAYAAAAAAAAAAAAAAADwAAACADAAAAAAAAAAAAAAEAAACgMgAAVgcAAKr4//8BAAAAf39/AAEAAABkAAAAAAAAABQAAABAHwAAAAAAACYAAAAAAAAAwOD//wAAAAAmAAAAZAAAABYAAABMAAAAAAAAAAAAAAAEAAAAAAAAAAEAAADn5uYKAAAAACgAAAAoAAAAZAAAAGQAAAAAAAAAzMzMAAAAAABQAAAAUAAAAGQAAABkAAAAAAAAABcAAAAUAAAAAAAAAAAAAAD/fwAA/38AAAAAAAAJAAAABAAAAOgAAAAeAAAAaAAAAAAAAAAAAAAAAAAAAAAAAAAAAAAAECcAABAnAAAAAAAAAAAAAAAAAAAAAAAAAAAAAAAAAAAAAAAAAAAAABQAAAAAAAAAwMD/AAAAAABkAAAAMgAAAAAAAABkAAAAAAAAAH9/fwAKAAAAIgAAABgAAAAAAAAAAAAAAAAAAAAAAAAAAAAAAAAAAAAkAAAAJAAAAAAAAAAHAAAAAAAAAAAAAAAAAAAAAAAAAAAAAAAAAAAAf39/ACUAAABYAAAAAAAAAAAAAAAAAAAAAAAAAAAAAAAAAAAAAAAAAAAAAAAAAAAAAAAAAAAAAAA/AAAAAAAAAKCGAQAAAAAAAAAAAAAAAAAMAAAAAQAAAAAAAAAAAAAAAAAAAB8AAABUAAAARHLEBf///wEAAAAAAAAAAAAAAAAAAAAAAAAAAAAAAAAAAAAAAAAAAAAAAAJ/f38A5+bmA8zMzADAwP8Af39/AAAAAAAAAAAAAAAAAAAAAAAAAAAAIQAAABgAAAAUAAAAcAgAANgJAAD3JQAAXycAAAAAAAAmAAAACAAAAP//////////"/>
               </a:ext>
             </a:extLst>
           </p:cNvSpPr>
@@ -13607,7 +14490,7 @@
           <p:cNvSpPr>
             <a:extLst>
               <a:ext uri="smNativeData">
-                <pr:smNativeData xmlns="smNativeData" xmlns:pr="smNativeData" xmlns:p15="http://schemas.microsoft.com/office/powerpoint/2012/main" xmlns:p14="http://schemas.microsoft.com/office/powerpoint/2010/main" xmlns:mc="http://schemas.openxmlformats.org/markup-compatibility/2006" val="SMDATA_15_q5OGZBMAAAAlAAAAZAAAAA0AAAAAAAAAAAAAAAAAAAAAAAAAAAAAAAAAAAAAAAAAAAEAAABQAAAAAAAAAAAA4D8AAAAAAADgPwAAAAAAAOA/AAAAAAAA4D8AAAAAAADgPwAAAAAAAOA/AAAAAAAA4D8AAAAAAADgPwAAAAAAAOA/AAAAAAAA4D8CAAAAjAAAAAAAAAAAAAAARHLEDP///wgAAAAAAAAAAAAAAAAAAAAAAAAAAAAAAAAAAAAAZAAAAAEAAABAAAAAAAAAAAAAAAAAAAAAAAAAAAAAAAAAAAAAAAAAAAAAAAAAAAAAAAAAAAAAAAAAAAAAAAAAAAAAAAAAAAAAAAAAAAAAAAAAAAAAAAAAAAAAAAAAAAAAFAAAADwAAAAAAAAAAAAAAAAAAAkUAAAAAQAAABQAAAAUAAAAFAAAAAEAAAAAAAAAZAAAAGQAAAAAAAAAZAAAAGQAAAAVAAAAYAAAAAAAAAAAAAAADwAAACADAAAAAAAAAAAAAAEAAACgMgAAVgcAAKr4//8BAAAAf39/AAEAAABkAAAAAAAAABQAAABAHwAAAAAAACYAAAAAAAAAwOD//wAAAAAmAAAAZAAAABYAAABMAAAAAAAAAAAAAAAEAAAAAAAAAAEAAADn5uYKAAAAACgAAAAoAAAAZAAAAGQAAAAAAAAAzMzMAAAAAABQAAAAUAAAAGQAAABkAAAAAAAAABcAAAAUAAAAAAAAAAAAAAD/fwAA/38AAAAAAAAJAAAABAAAAKYAAAAeAAAAaAAAAAAAAAAAAAAAAAAAAAAAAAAAAAAAECcAABAnAAAAAAAAAAAAAAAAAAAAAAAAAAAAAAAAAAAAAAAAAAAAABQAAAAAAAAAwMD/AAAAAABkAAAAMgAAAAAAAABkAAAAAAAAAH9/fwAKAAAAIgAAABgAAAAAAAAAAAAAAAAAAAAAAAAAAAAAAAAAAAAkAAAAJAAAAAAAAAAHAAAAAAAAAAAAAAAAAAAAAAAAAAAAAAAAAAAAf39/ACUAAABYAAAAAAAAAAAAAAAAAAAAAAAAAAAAAAAAAAAAAAAAAAAAAAAAAAAAAAAAAAAAAAA/AAAAAAAAAKCGAQAAAAAAAAAAAAAAAAAMAAAAAQAAAAAAAAAAAAAAAAAAAB8AAABUAAAARHLEBf///wEAAAAAAAAAAAAAAAAAAAAAAAAAAAAAAAAAAAAAAAAAAAAAAAJ/f38A5+bmA8zMzADAwP8Af39/AAAAAAAAAAAAAAAAAAAAAAAAAAAAIQAAABgAAAAUAAAAYCcAANgJAAAfSQAAXycAABAAAAAmAAAACAAAAP//////////"/>
+                <pr:smNativeData xmlns:mc="http://schemas.openxmlformats.org/markup-compatibility/2006" xmlns:p14="http://schemas.microsoft.com/office/powerpoint/2010/main" xmlns:p15="http://schemas.microsoft.com/office/powerpoint/2012/main" xmlns:pr="smNativeData" xmlns="smNativeData" val="SMDATA_15_q5OGZBMAAAAlAAAAZAAAAA0AAAAAAAAAAAAAAAAAAAAAAAAAAAAAAAAAAAAAAAAAAAEAAABQAAAAAAAAAAAA4D8AAAAAAADgPwAAAAAAAOA/AAAAAAAA4D8AAAAAAADgPwAAAAAAAOA/AAAAAAAA4D8AAAAAAADgPwAAAAAAAOA/AAAAAAAA4D8CAAAAjAAAAAAAAAAAAAAARHLEDP///wgAAAAAAAAAAAAAAAAAAAAAAAAAAAAAAAAAAAAAZAAAAAEAAABAAAAAAAAAAAAAAAAAAAAAAAAAAAAAAAAAAAAAAAAAAAAAAAAAAAAAAAAAAAAAAAAAAAAAAAAAAAAAAAAAAAAAAAAAAAAAAAAAAAAAAAAAAAAAAAAAAAAAFAAAADwAAAAAAAAAAAAAAAAAAAkUAAAAAQAAABQAAAAUAAAAFAAAAAEAAAAAAAAAZAAAAGQAAAAAAAAAZAAAAGQAAAAVAAAAYAAAAAAAAAAAAAAADwAAACADAAAAAAAAAAAAAAEAAACgMgAAVgcAAKr4//8BAAAAf39/AAEAAABkAAAAAAAAABQAAABAHwAAAAAAACYAAAAAAAAAwOD//wAAAAAmAAAAZAAAABYAAABMAAAAAAAAAAAAAAAEAAAAAAAAAAEAAADn5uYKAAAAACgAAAAoAAAAZAAAAGQAAAAAAAAAzMzMAAAAAABQAAAAUAAAAGQAAABkAAAAAAAAABcAAAAUAAAAAAAAAAAAAAD/fwAA/38AAAAAAAAJAAAABAAAAKYAAAAeAAAAaAAAAAAAAAAAAAAAAAAAAAAAAAAAAAAAECcAABAnAAAAAAAAAAAAAAAAAAAAAAAAAAAAAAAAAAAAAAAAAAAAABQAAAAAAAAAwMD/AAAAAABkAAAAMgAAAAAAAABkAAAAAAAAAH9/fwAKAAAAIgAAABgAAAAAAAAAAAAAAAAAAAAAAAAAAAAAAAAAAAAkAAAAJAAAAAAAAAAHAAAAAAAAAAAAAAAAAAAAAAAAAAAAAAAAAAAAf39/ACUAAABYAAAAAAAAAAAAAAAAAAAAAAAAAAAAAAAAAAAAAAAAAAAAAAAAAAAAAAAAAAAAAAA/AAAAAAAAAKCGAQAAAAAAAAAAAAAAAAAMAAAAAQAAAAAAAAAAAAAAAAAAAB8AAABUAAAARHLEBf///wEAAAAAAAAAAAAAAAAAAAAAAAAAAAAAAAAAAAAAAAAAAAAAAAJ/f38A5+bmA8zMzADAwP8Af39/AAAAAAAAAAAAAAAAAAAAAAAAAAAAIQAAABgAAAAUAAAAYCcAANgJAAAfSQAAXycAABAAAAAmAAAACAAAAP//////////"/>
               </a:ext>
             </a:extLst>
           </p:cNvSpPr>
@@ -13928,14 +14811,6 @@
 <file path=ppt/slides/slide20.xml><?xml version="1.0" encoding="utf-8"?>
 <p:sld xmlns:a="http://schemas.openxmlformats.org/drawingml/2006/main" xmlns:r="http://schemas.openxmlformats.org/officeDocument/2006/relationships" xmlns:p="http://schemas.openxmlformats.org/presentationml/2006/main">
   <p:cSld>
-    <p:bg>
-      <p:bgPr>
-        <a:solidFill>
-          <a:srgbClr val="000000"/>
-        </a:solidFill>
-        <a:effectLst/>
-      </p:bgPr>
-    </p:bg>
     <p:spTree>
       <p:nvGrpSpPr>
         <p:cNvPr id="1" name=""/>
@@ -13956,7 +14831,7 @@
           <p:cNvSpPr>
             <a:extLst>
               <a:ext uri="smNativeData">
-                <pr:smNativeData xmlns="smNativeData" xmlns:pr="smNativeData" xmlns:p15="http://schemas.microsoft.com/office/powerpoint/2012/main" xmlns:p14="http://schemas.microsoft.com/office/powerpoint/2010/main" xmlns:mc="http://schemas.openxmlformats.org/markup-compatibility/2006" val="SMDATA_15_q5OGZBMAAAAlAAAAqgAAAA0AAAAAkAAAAEgAAACQAAAASAAAAAAAAAAAAAAAAAAAAAEAAABQAAAAda9fBcX/xz8AAAAAAADgPwAAAAAAAOA/AAAAAAAA4D8AAAAAAADgPwAAAAAAAOA/AAAAAAAA4D8AAAAAAADgPwAAAAAAAOA/AAAAAAAA4D8CAAAAjAAAAAEAAAAAAAAANEBQAP///wgAAAAAAAAAAAAAAAAAAAAAAAAAAAAAAAAAAAAAZAAAAAEAAABAAAAAAAAAAAAAAAAAAAAAAAAAAAAAAAAAAAAAAAAAAAAAAAAAAAAAAAAAAAAAAAAAAAAAAAAAAAAAAAAAAAAAAAAAAAAAAAAAAAAAAAAAAAAAAAAAAAAAFAAAADwAAAABAAAAAAAAAP///wgoAAAAAQAAABQAAAAUAAAAFAAAAAEAAAAAAAAAZAAAAGQAAAAAAAAAZAAAAGQAAAAVAAAAYAAAAAAAAAAAAAAADwAAACADAAAAAAAAAAAAAAEAAACgMgAAVgcAAKr4//8BAAAAf39/AAEAAABkAAAAAAAAABQAAABAHwAAAAAAACYAAAAAAAAAwOD//wAAAAAmAAAAZAAAABYAAABMAAAAAAAAAAAAAAAEAAAAAAAAAAEAAADn5uYKAAAAACgAAAAoAAAAZAAAAGQAAAAAAAAAzMzMAAAAAABQAAAAUAAAAGQAAABkAAAAAAAAABcAAAAUAAAAAAAAAAAAAAD/fwAA/38AAAAAAAAJAAAABAAAAOP///8eAAAAaAAAAAAAAAAAAAAAAAAAAAAAAAAAAAAAECcAABAnAAAAAAAAAAAAAAAAAAAAAAAAAAAAAAAAAAAAAAAAAAAAABQAAAAAAAAAwMD/AAAAAABkAAAAMgAAAAAAAABkAAAAAAAAAH9/fwAKAAAAIgAAABgAAAAAAAAAAAAAAAAAAAAAAAAAAAAAAAAAAAAkAAAAJAAAAAAAAAAHAAAAAAAAAAAAAAAAAAAAAAAAAAAAAAAAAAAAf39/ACUAAABYAAAAAAAAAAAAAAAAAAAAAAAAAAAAAAAAAAAAAAAAAAAAAAAAAAAAAAAAAAAAAAA/AAAAAAAAAKCGAQAAAAAAAAAAAAAAAAAMAAAAAQAAAAAAAAAAAAAAAAAAAB8AAABUAAAANEBQAP///wEAAAAAAAAAAAAAAAAAAAAAAAAAAAAAAAAAAAAAAAAAAP///wF/f38A5+bmA8zMzADAwP8Af39/AAAAAAAAAAAAAAAAAAAAAAAAAAAAIQAAABgAAAAUAAAAAAAAAAAAAAD/SgAALyoAABAAAAAmAAAACAAAAP//////////"/>
+                <pr:smNativeData xmlns:mc="http://schemas.openxmlformats.org/markup-compatibility/2006" xmlns:p14="http://schemas.microsoft.com/office/powerpoint/2010/main" xmlns:p15="http://schemas.microsoft.com/office/powerpoint/2012/main" xmlns:pr="smNativeData" xmlns="smNativeData" val="SMDATA_15_q5OGZBMAAAAlAAAAZAAAAA0AAAAAkAAAAEgAAACQAAAASAAAAAAAAAAAAAAAAAAAAAEAAABQAAAAAAAAAAAA4D8AAAAAAADgPwAAAAAAAOA/AAAAAAAA4D8AAAAAAADgPwAAAAAAAOA/AAAAAAAA4D8AAAAAAADgPwAAAAAAAOA/AAAAAAAA4D8CAAAAjAAAAAAAAAAAAAAARHLEDP///wgAAAAAAAAAAAAAAAAAAAAAAAAAAAAAAAAAAAAAZAAAAAEAAABAAAAAAAAAAAAAAAAAAAAAAAAAAAAAAAAAAAAAAAAAAAAAAAAAAAAAAAAAAAAAAAAAAAAAAAAAAAAAAAAAAAAAAAAAAAAAAAAAAAAAAAAAAAAAAAAAAAAAFAAAADwAAAAAAAAAAAAAAAAAAAkUAAAAAQAAABQAAAAUAAAAFAAAAAEAAAAAAAAAZAAAAGQAAAAAAAAAZAAAAGQAAAAVAAAAYAAAAAAAAAAAAAAADwAAACADAAAAAAAAAAAAAAEAAACgMgAAVgcAAKr4//8BAAAAf39/AAEAAABkAAAAAAAAABQAAABAHwAAAAAAACYAAAAAAAAAwOD//wAAAAAmAAAAZAAAABYAAABMAAAAAAAAAAAAAAAEAAAAAAAAAAEAAADn5uYKAAAAACgAAAAoAAAAZAAAAGQAAAAAAAAAzMzMAAAAAABQAAAAUAAAAGQAAABkAAAAAAAAABcAAAAUAAAAAAAAAAAAAAD/fwAA/38AAAAAAAAJAAAABAAAAF8AYAAeAAAAaAAAAAAAAAAAAAAAAAAAAAAAAAAAAAAAECcAABAnAAAAAAAAAAAAAAAAAAAAAAAAAAAAAAAAAAAAAAAAAAAAABQAAAAAAAAAwMD/AAAAAABkAAAAMgAAAAAAAABkAAAAAAAAAH9/fwAKAAAAIgAAABgAAAAAAAAAAAAAAAAAAAAAAAAAAAAAAAAAAAAkAAAAJAAAAAAAAAAHAAAAAAAAAAAAAAAAAAAAAAAAAAAAAAAAAAAAf39/ACUAAABYAAAAAAAAAAAAAAAAAAAAAAAAAAAAAAAAAAAAAAAAAAAAAAAAAAAAAAAAAAAAAAA/AAAAAAAAAKCGAQAAAAAAAAAAAAAAAAAMAAAAAQAAAAAAAAAAAAAAAAAAAB8AAABUAAAARHLEBf///wEAAAAAAAAAAAAAAAAAAAAAAAAAAAAAAAAAAAAAAAAAAAAAAAJ/f38A5+bmA8zMzADAwP8Af39/AAAAAAAAAAAAAAAAAAAAAAAAAAAAIQAAABgAAAAUAAAAKAUAAJ8BAADXRQAAxQkAABAAAAAmAAAACAAA